--- a/AI/AI PyTorch.pptx
+++ b/AI/AI PyTorch.pptx
@@ -1,17 +1,19 @@
 
 <file path=ppt/presentation.xml><?xml version="1.0" encoding="utf-8"?>
-<p:presentation xmlns:p="http://schemas.openxmlformats.org/presentationml/2006/main" xmlns:mc="http://schemas.openxmlformats.org/markup-compatibility/2006" xmlns:p14="http://schemas.microsoft.com/office/powerpoint/2010/main" xmlns:p15="http://schemas.microsoft.com/office/powerpoint/2012/main" xmlns:r="http://schemas.openxmlformats.org/officeDocument/2006/relationships" xmlns:a="http://schemas.openxmlformats.org/drawingml/2006/main">
+<p:presentation xmlns:a="http://schemas.openxmlformats.org/drawingml/2006/main" xmlns:r="http://schemas.openxmlformats.org/officeDocument/2006/relationships" xmlns:p="http://schemas.openxmlformats.org/presentationml/2006/main">
   <p:sldMasterIdLst>
-    <p:sldMasterId id="2147483648" r:id="rId5"/>
+    <p:sldMasterId id="2147483648" r:id="rId1"/>
   </p:sldMasterIdLst>
   <p:sldIdLst>
-    <p:sldId id="256" r:id="rId6"/>
-    <p:sldId id="259" r:id="rId7"/>
-    <p:sldId id="261" r:id="rId8"/>
-    <p:sldId id="260" r:id="rId9"/>
-    <p:sldId id="258" r:id="rId10"/>
-    <p:sldId id="262" r:id="rId11"/>
-    <p:sldId id="263" r:id="rId12"/>
+    <p:sldId id="256" r:id="rId2"/>
+    <p:sldId id="259" r:id="rId3"/>
+    <p:sldId id="261" r:id="rId4"/>
+    <p:sldId id="260" r:id="rId5"/>
+    <p:sldId id="258" r:id="rId6"/>
+    <p:sldId id="262" r:id="rId7"/>
+    <p:sldId id="263" r:id="rId8"/>
+    <p:sldId id="264" r:id="rId9"/>
+    <p:sldId id="265" r:id="rId10"/>
   </p:sldIdLst>
   <p:sldSz cx="12192000" cy="6858000"/>
   <p:notesSz cx="6858000" cy="12192000"/>
@@ -34,7 +36,7 @@
         </a:solidFill>
         <a:effectLst/>
         <a:latin typeface="Calibri" pitchFamily="2" charset="0"/>
-        <a:ea typeface="SimSun" pitchFamily="0" charset="0"/>
+        <a:ea typeface="SimSun" charset="0"/>
         <a:cs typeface="Times New Roman" pitchFamily="1" charset="0"/>
       </a:defRPr>
     </a:lvl1pPr>
@@ -56,7 +58,7 @@
         </a:solidFill>
         <a:effectLst/>
         <a:latin typeface="Calibri" pitchFamily="2" charset="0"/>
-        <a:ea typeface="SimSun" pitchFamily="0" charset="0"/>
+        <a:ea typeface="SimSun" charset="0"/>
         <a:cs typeface="Times New Roman" pitchFamily="1" charset="0"/>
       </a:defRPr>
     </a:lvl2pPr>
@@ -78,7 +80,7 @@
         </a:solidFill>
         <a:effectLst/>
         <a:latin typeface="Calibri" pitchFamily="2" charset="0"/>
-        <a:ea typeface="SimSun" pitchFamily="0" charset="0"/>
+        <a:ea typeface="SimSun" charset="0"/>
         <a:cs typeface="Times New Roman" pitchFamily="1" charset="0"/>
       </a:defRPr>
     </a:lvl3pPr>
@@ -100,7 +102,7 @@
         </a:solidFill>
         <a:effectLst/>
         <a:latin typeface="Calibri" pitchFamily="2" charset="0"/>
-        <a:ea typeface="SimSun" pitchFamily="0" charset="0"/>
+        <a:ea typeface="SimSun" charset="0"/>
         <a:cs typeface="Times New Roman" pitchFamily="1" charset="0"/>
       </a:defRPr>
     </a:lvl4pPr>
@@ -122,7 +124,7 @@
         </a:solidFill>
         <a:effectLst/>
         <a:latin typeface="Calibri" pitchFamily="2" charset="0"/>
-        <a:ea typeface="SimSun" pitchFamily="0" charset="0"/>
+        <a:ea typeface="SimSun" charset="0"/>
         <a:cs typeface="Times New Roman" pitchFamily="1" charset="0"/>
       </a:defRPr>
     </a:lvl5pPr>
@@ -144,7 +146,7 @@
         </a:solidFill>
         <a:effectLst/>
         <a:latin typeface="Calibri" pitchFamily="2" charset="0"/>
-        <a:ea typeface="SimSun" pitchFamily="0" charset="0"/>
+        <a:ea typeface="SimSun" charset="0"/>
         <a:cs typeface="Times New Roman" pitchFamily="1" charset="0"/>
       </a:defRPr>
     </a:lvl6pPr>
@@ -166,7 +168,7 @@
         </a:solidFill>
         <a:effectLst/>
         <a:latin typeface="Calibri" pitchFamily="2" charset="0"/>
-        <a:ea typeface="SimSun" pitchFamily="0" charset="0"/>
+        <a:ea typeface="SimSun" charset="0"/>
         <a:cs typeface="Times New Roman" pitchFamily="1" charset="0"/>
       </a:defRPr>
     </a:lvl7pPr>
@@ -188,7 +190,7 @@
         </a:solidFill>
         <a:effectLst/>
         <a:latin typeface="Calibri" pitchFamily="2" charset="0"/>
-        <a:ea typeface="SimSun" pitchFamily="0" charset="0"/>
+        <a:ea typeface="SimSun" charset="0"/>
         <a:cs typeface="Times New Roman" pitchFamily="1" charset="0"/>
       </a:defRPr>
     </a:lvl8pPr>
@@ -210,16 +212,24 @@
         </a:solidFill>
         <a:effectLst/>
         <a:latin typeface="Calibri" pitchFamily="2" charset="0"/>
-        <a:ea typeface="SimSun" pitchFamily="0" charset="0"/>
+        <a:ea typeface="SimSun" charset="0"/>
         <a:cs typeface="Times New Roman" pitchFamily="1" charset="0"/>
       </a:defRPr>
     </a:lvl9pPr>
   </p:defaultTextStyle>
+  <p:extLst>
+    <p:ext uri="{EFAFB233-063F-42B5-8137-9DF3F51BA10A}">
+      <p15:sldGuideLst xmlns:p15="http://schemas.microsoft.com/office/powerpoint/2012/main"/>
+    </p:ext>
+    <p:ext uri="{2D200454-40CA-4A62-9FC3-DE9A4176ACB9}">
+      <p15:notesGuideLst xmlns:p15="http://schemas.microsoft.com/office/powerpoint/2012/main"/>
+    </p:ext>
+  </p:extLst>
 </p:presentation>
 </file>
 
 <file path=ppt/slideLayouts/slideLayout1.xml><?xml version="1.0" encoding="utf-8"?>
-<p:sldLayout xmlns:p="http://schemas.openxmlformats.org/presentationml/2006/main" xmlns:mc="http://schemas.openxmlformats.org/markup-compatibility/2006" xmlns:p14="http://schemas.microsoft.com/office/powerpoint/2010/main" xmlns:p15="http://schemas.microsoft.com/office/powerpoint/2012/main" xmlns:r="http://schemas.openxmlformats.org/officeDocument/2006/relationships" xmlns:a="http://schemas.openxmlformats.org/drawingml/2006/main" type="title">
+<p:sldLayout xmlns:a="http://schemas.openxmlformats.org/drawingml/2006/main" xmlns:r="http://schemas.openxmlformats.org/officeDocument/2006/relationships" xmlns:p="http://schemas.openxmlformats.org/presentationml/2006/main" type="title">
   <p:cSld name="Title slide">
     <p:spTree>
       <p:nvGrpSpPr>
@@ -242,7 +252,7 @@
             <a:spLocks noGrp="1" noChangeArrowheads="1"/>
             <a:extLst>
               <a:ext uri="smNativeData">
-                <pr:smNativeData xmlns:pr="smNativeData" xmlns="smNativeData" val="SMDATA_15_wwJCaRMAAAAlAAAAZAAAAA8BAAAAkAAAAEgAAACQAAAASAAAAAAAAAABAAAAAAAAAAEAAABQAAAAAAAAAAAA4D8AAAAAAADgPwAAAAAAAOA/AAAAAAAA4D8AAAAAAADgPwAAAAAAAOA/AAAAAAAA4D8AAAAAAADgPwAAAAAAAOA/AAAAAAAA4D8CAAAAjAAAAAAAAAAAAAAAu+DjDP///wgAAAAAAAAAAAAAAAAAAAAAAAAAAAAAAAAAAAAAZAAAAAEAAABAAAAAAAAAAAAAAAAAAAAAAAAAAAAAAAAAAAAAAAAAAAAAAAAAAAAAAAAAAAAAAAAAAAAAAAAAAAAAAAAAAAAAAAAAAAAAAAAAAAAAAAAAAAAAAAAAAAAAFAAAADwAAAAAAAAAAAAAAAAAAAkUAAAAAQAAABQAAAAUAAAAFAAAAAEAAAAAAAAAZAAAAGQAAAAAAAAAZAAAAGQAAAAVAAAAYAAAAAAAAAAAAAAADwAAACADAAAAAAAAAAAAAAEAAACgMgAAVgcAAKr4//8BAAAAf39/AAEAAABkAAAAAAAAABQAAABAHwAAAAAAACYAAAAAAAAAwOD//wAAAAAmAAAAZAAAABYAAABMAAAAAAAAAAAAAAAEAAAAAAAAAAEAAACAgIAKAAAAACgAAAAoAAAAZAAAAGQAAAAAAAAAzMzMAAAAAABQAAAAUAAAAGQAAABkAAAAAAAAABcAAAAUAAAAAAAAAAAAAAD/fwAA/38AAAAAAAAJAAAABAAAAAAAAAAeAAAAaAAAAAAAAAAAAAAAAAAAAAAAAAAAAAAAECcAABAnAAAAAAAAAAAAAAAAAAAAAAAAAAAAAAAAAAAAAAAAAAAAABQAAAAAAAAAwMD/AAAAAABkAAAAMgAAAAAAAABkAAAAAAAAAH9/fwAKAAAAIgAAABgAAAAAAAAAAAAAAAAAAAAAAAAAAAAAAAAAAAAkAAAAJAAAAAAAAAAHAAAAAAAAAAAAAAAAAAAAAAAAAAAAAAAAAAAAf39/ACUAAABYAAAAAAAAAAAAAAAAAAAAAAAAAAAAAAAAAAAAAAAAAAAAAAAAAAAAAAAAAAAAAAA/AAAAAAAAAKCGAQAAAAAAAAAAAAAAAAAMAAAAAQAAAAAAAAAAAAAAAAAAAB8AAABUAAAAAAAABQAAAAEAAAAAAAAAAAAAAAAAAAAAAAAAAAAAAAAAAAAAAAAAAAAAAAJ/f38AAAAAA8zMzADAwP8Af39/AAAAAAAAAAAAAAAAAAAAAAAAAAAAIQAAABgAAAAUAAAAoAUAABoNAABgRQAAJhYAABAAAAAmAAAACAAAAAEAAAAAAAAA"/>
+                <pr:smNativeData xmlns="smNativeData" xmlns:pr="smNativeData" xmlns:p15="http://schemas.microsoft.com/office/powerpoint/2012/main" xmlns:p14="http://schemas.microsoft.com/office/powerpoint/2010/main" xmlns:mc="http://schemas.openxmlformats.org/markup-compatibility/2006" val="SMDATA_15_wwJCaRMAAAAlAAAAZAAAAA8BAAAAkAAAAEgAAACQAAAASAAAAAAAAAABAAAAAAAAAAEAAABQAAAAAAAAAAAA4D8AAAAAAADgPwAAAAAAAOA/AAAAAAAA4D8AAAAAAADgPwAAAAAAAOA/AAAAAAAA4D8AAAAAAADgPwAAAAAAAOA/AAAAAAAA4D8CAAAAjAAAAAAAAAAAAAAAu+DjDP///wgAAAAAAAAAAAAAAAAAAAAAAAAAAAAAAAAAAAAAZAAAAAEAAABAAAAAAAAAAAAAAAAAAAAAAAAAAAAAAAAAAAAAAAAAAAAAAAAAAAAAAAAAAAAAAAAAAAAAAAAAAAAAAAAAAAAAAAAAAAAAAAAAAAAAAAAAAAAAAAAAAAAAFAAAADwAAAAAAAAAAAAAAAAAAAkUAAAAAQAAABQAAAAUAAAAFAAAAAEAAAAAAAAAZAAAAGQAAAAAAAAAZAAAAGQAAAAVAAAAYAAAAAAAAAAAAAAADwAAACADAAAAAAAAAAAAAAEAAACgMgAAVgcAAKr4//8BAAAAf39/AAEAAABkAAAAAAAAABQAAABAHwAAAAAAACYAAAAAAAAAwOD//wAAAAAmAAAAZAAAABYAAABMAAAAAAAAAAAAAAAEAAAAAAAAAAEAAACAgIAKAAAAACgAAAAoAAAAZAAAAGQAAAAAAAAAzMzMAAAAAABQAAAAUAAAAGQAAABkAAAAAAAAABcAAAAUAAAAAAAAAAAAAAD/fwAA/38AAAAAAAAJAAAABAAAAAAAAAAeAAAAaAAAAAAAAAAAAAAAAAAAAAAAAAAAAAAAECcAABAnAAAAAAAAAAAAAAAAAAAAAAAAAAAAAAAAAAAAAAAAAAAAABQAAAAAAAAAwMD/AAAAAABkAAAAMgAAAAAAAABkAAAAAAAAAH9/fwAKAAAAIgAAABgAAAAAAAAAAAAAAAAAAAAAAAAAAAAAAAAAAAAkAAAAJAAAAAAAAAAHAAAAAAAAAAAAAAAAAAAAAAAAAAAAAAAAAAAAf39/ACUAAABYAAAAAAAAAAAAAAAAAAAAAAAAAAAAAAAAAAAAAAAAAAAAAAAAAAAAAAAAAAAAAAA/AAAAAAAAAKCGAQAAAAAAAAAAAAAAAAAMAAAAAQAAAAAAAAAAAAAAAAAAAB8AAABUAAAAAAAABQAAAAEAAAAAAAAAAAAAAAAAAAAAAAAAAAAAAAAAAAAAAAAAAAAAAAJ/f38AAAAAA8zMzADAwP8Af39/AAAAAAAAAAAAAAAAAAAAAAAAAAAAIQAAABgAAAAUAAAAoAUAABoNAABgRQAAJhYAABAAAAAmAAAACAAAAAEAAAAAAAAA"/>
               </a:ext>
             </a:extLst>
           </p:cNvSpPr>
@@ -260,7 +270,6 @@
           <a:bodyPr/>
           <a:lstStyle/>
           <a:p>
-            <a:pPr/>
             <a:r>
               <a:t>Click to edit Master title style</a:t>
             </a:r>
@@ -274,7 +283,7 @@
             <a:spLocks noGrp="1" noChangeArrowheads="1"/>
             <a:extLst>
               <a:ext uri="smNativeData">
-                <pr:smNativeData xmlns:pr="smNativeData" xmlns="smNativeData" val="SMDATA_15_wwJCaRMAAAAlAAAAZAAAAA8BAAAAkAAAAEgAAACQAAAASAAAAAAAAAAAAAAAAAAAAAEAAABQAAAAAAAAAAAA4D8AAAAAAADgPwAAAAAAAOA/AAAAAAAA4D8AAAAAAADgPwAAAAAAAOA/AAAAAAAA4D8AAAAAAADgPwAAAAAAAOA/AAAAAAAA4D8CAAAAjAAAAAAAAAAAAAAAu+DjDP///wgAAAAAAAAAAAAAAAAAAAAAAAAAAAAAAAAAAAAAZAAAAAEAAABAAAAAAAAAAAAAAAAAAAAAAAAAAAAAAAAAAAAAAAAAAAAAAAAAAAAAAAAAAAAAAAAAAAAAAAAAAAAAAAAAAAAAAAAAAAAAAAAAAAAAAAAAAAAAAAAAAAAAFAAAADwAAAAAAAAAAAAAAAAAAAkUAAAAAQAAABQAAAAUAAAAFAAAAAEAAAAAAAAAZAAAAGQAAAAAAAAAZAAAAGQAAAAVAAAAYAAAAAAAAAAAAAAADwAAACADAAAAAAAAAAAAAAEAAACgMgAAVgcAAKr4//8BAAAAf39/AAEAAABkAAAAAAAAABQAAABAHwAAAAAAACYAAAAAAAAAwOD//wAAAAAmAAAAZAAAABYAAABMAAAAAAAAAAAAAAAEAAAAAAAAAAEAAACAgIAKAAAAACgAAAAoAAAAZAAAAGQAAAAAAAAAzMzMAAAAAABQAAAAUAAAAGQAAABkAAAAAAAAABcAAAAUAAAAAAAAAAAAAAD/fwAA/38AAAAAAAAJAAAABAAAAAAAAAAeAAAAaAAAAAAAAAAAAAAAAAAAAAAAAAAAAAAAECcAABAnAAAAAAAAAAAAAAAAAAAAAAAAAAAAAAAAAAAAAAAAAAAAABQAAAAAAAAAwMD/AAAAAABkAAAAMgAAAAAAAABkAAAAAAAAAH9/fwAKAAAAIgAAABgAAAAAAAAAAAAAAAAAAAAAAAAAAAAAAAAAAAAkAAAAJAAAAAAAAAAHAAAAAAAAAAAAAAAAAAAAAAAAAAAAAAAAAAAAf39/ACUAAABYAAAAAAAAAAAAAAAAAAAAAAAAAAAAAAAAAAAAAAAAAAAAAAAAAAAAAAAAAAAAAAA/AAAAAAAAAKCGAQAAAAAAAAAAAAAAAAAMAAAAAQAAAAAAAAAAAAAAAAAAAB8AAABUAAAAAAAABQAAAAEAAAAAAAAAAAAAAAAAAAAAAAAAAAAAAAAAAAAAAAAAAAAAAAJ/f38AAAAAA8zMzADAwP8Af39/AAAAAAAAAAAAAAAAAAAAAAAAAAAAIQAAABgAAAAUAAAAQAsAAOgXAADAPwAAsCIAABAAAAAmAAAACAAAAAGAAAAAAAAA"/>
+                <pr:smNativeData xmlns="smNativeData" xmlns:pr="smNativeData" xmlns:p15="http://schemas.microsoft.com/office/powerpoint/2012/main" xmlns:p14="http://schemas.microsoft.com/office/powerpoint/2010/main" xmlns:mc="http://schemas.openxmlformats.org/markup-compatibility/2006" val="SMDATA_15_wwJCaRMAAAAlAAAAZAAAAA8BAAAAkAAAAEgAAACQAAAASAAAAAAAAAAAAAAAAAAAAAEAAABQAAAAAAAAAAAA4D8AAAAAAADgPwAAAAAAAOA/AAAAAAAA4D8AAAAAAADgPwAAAAAAAOA/AAAAAAAA4D8AAAAAAADgPwAAAAAAAOA/AAAAAAAA4D8CAAAAjAAAAAAAAAAAAAAAu+DjDP///wgAAAAAAAAAAAAAAAAAAAAAAAAAAAAAAAAAAAAAZAAAAAEAAABAAAAAAAAAAAAAAAAAAAAAAAAAAAAAAAAAAAAAAAAAAAAAAAAAAAAAAAAAAAAAAAAAAAAAAAAAAAAAAAAAAAAAAAAAAAAAAAAAAAAAAAAAAAAAAAAAAAAAFAAAADwAAAAAAAAAAAAAAAAAAAkUAAAAAQAAABQAAAAUAAAAFAAAAAEAAAAAAAAAZAAAAGQAAAAAAAAAZAAAAGQAAAAVAAAAYAAAAAAAAAAAAAAADwAAACADAAAAAAAAAAAAAAEAAACgMgAAVgcAAKr4//8BAAAAf39/AAEAAABkAAAAAAAAABQAAABAHwAAAAAAACYAAAAAAAAAwOD//wAAAAAmAAAAZAAAABYAAABMAAAAAAAAAAAAAAAEAAAAAAAAAAEAAACAgIAKAAAAACgAAAAoAAAAZAAAAGQAAAAAAAAAzMzMAAAAAABQAAAAUAAAAGQAAABkAAAAAAAAABcAAAAUAAAAAAAAAAAAAAD/fwAA/38AAAAAAAAJAAAABAAAAAAAAAAeAAAAaAAAAAAAAAAAAAAAAAAAAAAAAAAAAAAAECcAABAnAAAAAAAAAAAAAAAAAAAAAAAAAAAAAAAAAAAAAAAAAAAAABQAAAAAAAAAwMD/AAAAAABkAAAAMgAAAAAAAABkAAAAAAAAAH9/fwAKAAAAIgAAABgAAAAAAAAAAAAAAAAAAAAAAAAAAAAAAAAAAAAkAAAAJAAAAAAAAAAHAAAAAAAAAAAAAAAAAAAAAAAAAAAAAAAAAAAAf39/ACUAAABYAAAAAAAAAAAAAAAAAAAAAAAAAAAAAAAAAAAAAAAAAAAAAAAAAAAAAAAAAAAAAAA/AAAAAAAAAKCGAQAAAAAAAAAAAAAAAAAMAAAAAQAAAAAAAAAAAAAAAAAAAB8AAABUAAAAAAAABQAAAAEAAAAAAAAAAAAAAAAAAAAAAAAAAAAAAAAAAAAAAAAAAAAAAAJ/f38AAAAAA8zMzADAwP8Af39/AAAAAAAAAAAAAAAAAAAAAAAAAAAAIQAAABgAAAAUAAAAQAsAAOgXAADAPwAAsCIAABAAAAAmAAAACAAAAAGAAAAAAAAA"/>
               </a:ext>
             </a:extLst>
           </p:cNvSpPr>
@@ -320,7 +329,6 @@
             </a:lvl9pPr>
           </a:lstStyle>
           <a:p>
-            <a:pPr/>
             <a:r>
               <a:t>Click to edit Master subtitle style</a:t>
             </a:r>
@@ -334,7 +342,7 @@
             <a:spLocks noGrp="1" noChangeArrowheads="1"/>
             <a:extLst>
               <a:ext uri="smNativeData">
-                <pr:smNativeData xmlns:pr="smNativeData" xmlns="smNativeData" val="SMDATA_15_wwJCaRMAAAAlAAAAZAAAAA8BAAAAkAAAAEgAAACQAAAASAAAAAAAAAABAAAAAAAAAAEAAABQAAAAAAAAAAAA4D8AAAAAAADgPwAAAAAAAOA/AAAAAAAA4D8AAAAAAADgPwAAAAAAAOA/AAAAAAAA4D8AAAAAAADgPwAAAAAAAOA/AAAAAAAA4D8CAAAAjAAAAAAAAAAAAAAAu+DjDP///wgAAAAAAAAAAAAAAAAAAAAAAAAAAAAAAAAAAAAAZAAAAAEAAABAAAAAAAAAAAAAAAAAAAAAAAAAAAAAAAAAAAAAAAAAAAAAAAAAAAAAAAAAAAAAAAAAAAAAAAAAAAAAAAAAAAAAAAAAAAAAAAAAAAAAAAAAAAAAAAAAAAAAFAAAADwAAAAAAAAAAAAAAAAAAAkUAAAAAQAAABQAAAAUAAAAFAAAAAEAAAAAAAAAZAAAAGQAAAAAAAAAZAAAAGQAAAAVAAAAYAAAAAAAAAAAAAAADwAAACADAAAAAAAAAAAAAAEAAACgMgAAVgcAAKr4//8BAAAAf39/AAEAAABkAAAAAAAAABQAAABAHwAAAAAAACYAAAAAAAAAwOD//wAAAAAmAAAAZAAAABYAAABMAAAAAAAAAAAAAAAEAAAAAAAAAAEAAACAgIAKAAAAACgAAAAoAAAAZAAAAGQAAAAAAAAAzMzMAAAAAABQAAAAUAAAAGQAAABkAAAAAAAAABcAAAAUAAAAAAAAAAAAAAD/fwAA/38AAAAAAAAJAAAABAAAAAAAAAAeAAAAaAAAAAAAAAAAAAAAAAAAAAAAAAAAAAAAECcAABAnAAAAAAAAAAAAAAAAAAAAAAAAAAAAAAAAAAAAAAAAAAAAABQAAAAAAAAAwMD/AAAAAABkAAAAMgAAAAAAAABkAAAAAAAAAH9/fwAKAAAAIgAAABgAAAAAAAAAAAAAAAAAAAAAAAAAAAAAAAAAAAAkAAAAJAAAAAAAAAAHAAAAAAAAAAAAAAAAAAAAAAAAAAAAAAAAAAAAf39/ACUAAABYAAAAAAAAAAAAAAAAAAAAAAAAAAAAAAAAAAAAAAAAAAAAAAAAAAAAAAAAAAAAAAA/AAAAAAAAAKCGAQAAAAAAAAAAAAAAAAAMAAAAAQAAAAAAAAAAAAAAAAAAAB8AAABUAAAAAAAABQAAAAEAAAAAAAAAAAAAAAAAAAAAAAAAAAAAAAAAAAAAAAAAAAAAAAJ/f38AAAAAA8zMzADAwP8Af39/AAAAAAAAAAAAAAAAAAAAAAAAAAAAIQAAABgAAAAUAAAAwAMAABsnAAA/FQAAWSkAABAAAAAmAAAACAAAAAAAAAAAAAAA"/>
+                <pr:smNativeData xmlns="smNativeData" xmlns:pr="smNativeData" xmlns:p15="http://schemas.microsoft.com/office/powerpoint/2012/main" xmlns:p14="http://schemas.microsoft.com/office/powerpoint/2010/main" xmlns:mc="http://schemas.openxmlformats.org/markup-compatibility/2006" val="SMDATA_15_wwJCaRMAAAAlAAAAZAAAAA8BAAAAkAAAAEgAAACQAAAASAAAAAAAAAABAAAAAAAAAAEAAABQAAAAAAAAAAAA4D8AAAAAAADgPwAAAAAAAOA/AAAAAAAA4D8AAAAAAADgPwAAAAAAAOA/AAAAAAAA4D8AAAAAAADgPwAAAAAAAOA/AAAAAAAA4D8CAAAAjAAAAAAAAAAAAAAAu+DjDP///wgAAAAAAAAAAAAAAAAAAAAAAAAAAAAAAAAAAAAAZAAAAAEAAABAAAAAAAAAAAAAAAAAAAAAAAAAAAAAAAAAAAAAAAAAAAAAAAAAAAAAAAAAAAAAAAAAAAAAAAAAAAAAAAAAAAAAAAAAAAAAAAAAAAAAAAAAAAAAAAAAAAAAFAAAADwAAAAAAAAAAAAAAAAAAAkUAAAAAQAAABQAAAAUAAAAFAAAAAEAAAAAAAAAZAAAAGQAAAAAAAAAZAAAAGQAAAAVAAAAYAAAAAAAAAAAAAAADwAAACADAAAAAAAAAAAAAAEAAACgMgAAVgcAAKr4//8BAAAAf39/AAEAAABkAAAAAAAAABQAAABAHwAAAAAAACYAAAAAAAAAwOD//wAAAAAmAAAAZAAAABYAAABMAAAAAAAAAAAAAAAEAAAAAAAAAAEAAACAgIAKAAAAACgAAAAoAAAAZAAAAGQAAAAAAAAAzMzMAAAAAABQAAAAUAAAAGQAAABkAAAAAAAAABcAAAAUAAAAAAAAAAAAAAD/fwAA/38AAAAAAAAJAAAABAAAAAAAAAAeAAAAaAAAAAAAAAAAAAAAAAAAAAAAAAAAAAAAECcAABAnAAAAAAAAAAAAAAAAAAAAAAAAAAAAAAAAAAAAAAAAAAAAABQAAAAAAAAAwMD/AAAAAABkAAAAMgAAAAAAAABkAAAAAAAAAH9/fwAKAAAAIgAAABgAAAAAAAAAAAAAAAAAAAAAAAAAAAAAAAAAAAAkAAAAJAAAAAAAAAAHAAAAAAAAAAAAAAAAAAAAAAAAAAAAAAAAAAAAf39/ACUAAABYAAAAAAAAAAAAAAAAAAAAAAAAAAAAAAAAAAAAAAAAAAAAAAAAAAAAAAAAAAAAAAA/AAAAAAAAAKCGAQAAAAAAAAAAAAAAAAAMAAAAAQAAAAAAAAAAAAAAAAAAAB8AAABUAAAAAAAABQAAAAEAAAAAAAAAAAAAAAAAAAAAAAAAAAAAAAAAAAAAAAAAAAAAAAJ/f38AAAAAA8zMzADAwP8Af39/AAAAAAAAAAAAAAAAAAAAAAAAAAAAIQAAABgAAAAUAAAAwAMAABsnAAA/FQAAWSkAABAAAAAmAAAACAAAAAAAAAAAAAAA"/>
               </a:ext>
             </a:extLst>
           </p:cNvSpPr>
@@ -347,10 +355,10 @@
           <a:bodyPr/>
           <a:lstStyle/>
           <a:p>
-            <a:pPr/>
             <a:fld id="{2B3A2F46-08C6-6FD9-8882-FE8C61CC7EAB}" type="datetime1">
-              <a:t/>
+              <a:t>12/16/2025</a:t>
             </a:fld>
+            <a:endParaRPr/>
           </a:p>
         </p:txBody>
       </p:sp>
@@ -361,7 +369,7 @@
             <a:spLocks noGrp="1" noChangeArrowheads="1"/>
             <a:extLst>
               <a:ext uri="smNativeData">
-                <pr:smNativeData xmlns:pr="smNativeData" xmlns="smNativeData" val="SMDATA_15_wwJCaRMAAAAlAAAAZAAAAA8BAAAAkAAAAEgAAACQAAAASAAAAAAAAAABAAAAAAAAAAEAAABQAAAAAAAAAAAA4D8AAAAAAADgPwAAAAAAAOA/AAAAAAAA4D8AAAAAAADgPwAAAAAAAOA/AAAAAAAA4D8AAAAAAADgPwAAAAAAAOA/AAAAAAAA4D8CAAAAjAAAAAAAAAAAAAAAu+DjDP///wgAAAAAAAAAAAAAAAAAAAAAAAAAAAAAAAAAAAAAZAAAAAEAAABAAAAAAAAAAAAAAAAAAAAAAAAAAAAAAAAAAAAAAAAAAAAAAAAAAAAAAAAAAAAAAAAAAAAAAAAAAAAAAAAAAAAAAAAAAAAAAAAAAAAAAAAAAAAAAAAAAAAAFAAAADwAAAAAAAAAAAAAAAAAAAkUAAAAAQAAABQAAAAUAAAAFAAAAAEAAAAAAAAAZAAAAGQAAAAAAAAAZAAAAGQAAAAVAAAAYAAAAAAAAAAAAAAADwAAACADAAAAAAAAAAAAAAEAAACgMgAAVgcAAKr4//8BAAAAf39/AAEAAABkAAAAAAAAABQAAABAHwAAAAAAACYAAAAAAAAAwOD//wAAAAAmAAAAZAAAABYAAABMAAAAAAAAAAAAAAAEAAAAAAAAAAEAAACAgIAKAAAAACgAAAAoAAAAZAAAAGQAAAAAAAAAzMzMAAAAAABQAAAAUAAAAGQAAABkAAAAAAAAABcAAAAUAAAAAAAAAAAAAAD/fwAA/38AAAAAAAAJAAAABAAAAAAAAAAeAAAAaAAAAAAAAAAAAAAAAAAAAAAAAAAAAAAAECcAABAnAAAAAAAAAAAAAAAAAAAAAAAAAAAAAAAAAAAAAAAAAAAAABQAAAAAAAAAwMD/AAAAAABkAAAAMgAAAAAAAABkAAAAAAAAAH9/fwAKAAAAIgAAABgAAAAAAAAAAAAAAAAAAAAAAAAAAAAAAAAAAAAkAAAAJAAAAAAAAAAHAAAAAAAAAAAAAAAAAAAAAAAAAAAAAAAAAAAAf39/ACUAAABYAAAAAAAAAAAAAAAAAAAAAAAAAAAAAAAAAAAAAAAAAAAAAAAAAAAAAAAAAAAAAAA/AAAAAAAAAKCGAQAAAAAAAAAAAAAAAAAMAAAAAQAAAAAAAAAAAAAAAAAAAB8AAABUAAAAAAAABQAAAAEAAAAAAAAAAAAAAAAAAAAAAAAAAAAAAAAAAAAAAAAAAAAAAAJ/f38AAAAAA8zMzADAwP8Af39/AAAAAAAAAAAAAAAAAAAAAAAAAAAAIQAAABgAAAAUAAAAoRkAABsnAABfMQAAWSkAABAAAAAmAAAACAAAAAAAAAAAAAAA"/>
+                <pr:smNativeData xmlns="smNativeData" xmlns:pr="smNativeData" xmlns:p15="http://schemas.microsoft.com/office/powerpoint/2012/main" xmlns:p14="http://schemas.microsoft.com/office/powerpoint/2010/main" xmlns:mc="http://schemas.openxmlformats.org/markup-compatibility/2006" val="SMDATA_15_wwJCaRMAAAAlAAAAZAAAAA8BAAAAkAAAAEgAAACQAAAASAAAAAAAAAABAAAAAAAAAAEAAABQAAAAAAAAAAAA4D8AAAAAAADgPwAAAAAAAOA/AAAAAAAA4D8AAAAAAADgPwAAAAAAAOA/AAAAAAAA4D8AAAAAAADgPwAAAAAAAOA/AAAAAAAA4D8CAAAAjAAAAAAAAAAAAAAAu+DjDP///wgAAAAAAAAAAAAAAAAAAAAAAAAAAAAAAAAAAAAAZAAAAAEAAABAAAAAAAAAAAAAAAAAAAAAAAAAAAAAAAAAAAAAAAAAAAAAAAAAAAAAAAAAAAAAAAAAAAAAAAAAAAAAAAAAAAAAAAAAAAAAAAAAAAAAAAAAAAAAAAAAAAAAFAAAADwAAAAAAAAAAAAAAAAAAAkUAAAAAQAAABQAAAAUAAAAFAAAAAEAAAAAAAAAZAAAAGQAAAAAAAAAZAAAAGQAAAAVAAAAYAAAAAAAAAAAAAAADwAAACADAAAAAAAAAAAAAAEAAACgMgAAVgcAAKr4//8BAAAAf39/AAEAAABkAAAAAAAAABQAAABAHwAAAAAAACYAAAAAAAAAwOD//wAAAAAmAAAAZAAAABYAAABMAAAAAAAAAAAAAAAEAAAAAAAAAAEAAACAgIAKAAAAACgAAAAoAAAAZAAAAGQAAAAAAAAAzMzMAAAAAABQAAAAUAAAAGQAAABkAAAAAAAAABcAAAAUAAAAAAAAAAAAAAD/fwAA/38AAAAAAAAJAAAABAAAAAAAAAAeAAAAaAAAAAAAAAAAAAAAAAAAAAAAAAAAAAAAECcAABAnAAAAAAAAAAAAAAAAAAAAAAAAAAAAAAAAAAAAAAAAAAAAABQAAAAAAAAAwMD/AAAAAABkAAAAMgAAAAAAAABkAAAAAAAAAH9/fwAKAAAAIgAAABgAAAAAAAAAAAAAAAAAAAAAAAAAAAAAAAAAAAAkAAAAJAAAAAAAAAAHAAAAAAAAAAAAAAAAAAAAAAAAAAAAAAAAAAAAf39/ACUAAABYAAAAAAAAAAAAAAAAAAAAAAAAAAAAAAAAAAAAAAAAAAAAAAAAAAAAAAAAAAAAAAA/AAAAAAAAAKCGAQAAAAAAAAAAAAAAAAAMAAAAAQAAAAAAAAAAAAAAAAAAAB8AAABUAAAAAAAABQAAAAEAAAAAAAAAAAAAAAAAAAAAAAAAAAAAAAAAAAAAAAAAAAAAAAJ/f38AAAAAA8zMzADAwP8Af39/AAAAAAAAAAAAAAAAAAAAAAAAAAAAIQAAABgAAAAUAAAAoRkAABsnAABfMQAAWSkAABAAAAAmAAAACAAAAAAAAAAAAAAA"/>
               </a:ext>
             </a:extLst>
           </p:cNvSpPr>
@@ -374,7 +382,7 @@
           <a:bodyPr/>
           <a:lstStyle/>
           <a:p>
-            <a:pPr/>
+            <a:endParaRPr/>
           </a:p>
         </p:txBody>
       </p:sp>
@@ -385,7 +393,7 @@
             <a:spLocks noGrp="1" noChangeArrowheads="1"/>
             <a:extLst>
               <a:ext uri="smNativeData">
-                <pr:smNativeData xmlns:pr="smNativeData" xmlns="smNativeData" val="SMDATA_15_wwJCaRMAAAAlAAAAZAAAAA8BAAAAkAAAAEgAAACQAAAASAAAAAAAAAABAAAAAAAAAAEAAABQAAAAAAAAAAAA4D8AAAAAAADgPwAAAAAAAOA/AAAAAAAA4D8AAAAAAADgPwAAAAAAAOA/AAAAAAAA4D8AAAAAAADgPwAAAAAAAOA/AAAAAAAA4D8CAAAAjAAAAAAAAAAAAAAAu+DjDP///wgAAAAAAAAAAAAAAAAAAAAAAAAAAAAAAAAAAAAAZAAAAAEAAABAAAAAAAAAAAAAAAAAAAAAAAAAAAAAAAAAAAAAAAAAAAAAAAAAAAAAAAAAAAAAAAAAAAAAAAAAAAAAAAAAAAAAAAAAAAAAAAAAAAAAAAAAAAAAAAAAAAAAFAAAADwAAAAAAAAAAAAAAAAAAAkUAAAAAQAAABQAAAAUAAAAFAAAAAEAAAAAAAAAZAAAAGQAAAAAAAAAZAAAAGQAAAAVAAAAYAAAAAAAAAAAAAAADwAAACADAAAAAAAAAAAAAAEAAACgMgAAVgcAAKr4//8BAAAAf39/AAEAAABkAAAAAAAAABQAAABAHwAAAAAAACYAAAAAAAAAwOD//wAAAAAmAAAAZAAAABYAAABMAAAAAAAAAAAAAAAEAAAAAAAAAAEAAACAgIAKAAAAACgAAAAoAAAAZAAAAGQAAAAAAAAAzMzMAAAAAABQAAAAUAAAAGQAAABkAAAAAAAAABcAAAAUAAAAAAAAAAAAAAD/fwAA/38AAAAAAAAJAAAABAAAAHsAfAAeAAAAaAAAAAAAAAAAAAAAAAAAAAAAAAAAAAAAECcAABAnAAAAAAAAAAAAAAAAAAAAAAAAAAAAAAAAAAAAAAAAAAAAABQAAAAAAAAAwMD/AAAAAABkAAAAMgAAAAAAAABkAAAAAAAAAH9/fwAKAAAAIgAAABgAAAAAAAAAAAAAAAAAAAAAAAAAAAAAAAAAAAAkAAAAJAAAAAAAAAAHAAAAAAAAAAAAAAAAAAAAAAAAAAAAAAAAAAAAf39/ACUAAABYAAAAAAAAAAAAAAAAAAAAAAAAAAAAAAAAAAAAAAAAAAAAAAAAAAAAAAAAAAAAAAA/AAAAAAAAAKCGAQAAAAAAAAAAAAAAAAAMAAAAAQAAAAAAAAAAAAAAAAAAAB8AAABUAAAAAAAABQAAAAEAAAAAAAAAAAAAAAAAAAAAAAAAAAAAAAAAAAAAAAAAAAAAAAJ/f38AAAAAA8zMzADAwP8Af39/AAAAAAAAAAAAAAAAAAAAAAAAAAAAIQAAABgAAAAUAAAAwTUAABsnAABARwAAWSkAABAAAAAmAAAACAAAAAAAAAAAAAAA"/>
+                <pr:smNativeData xmlns="smNativeData" xmlns:pr="smNativeData" xmlns:p15="http://schemas.microsoft.com/office/powerpoint/2012/main" xmlns:p14="http://schemas.microsoft.com/office/powerpoint/2010/main" xmlns:mc="http://schemas.openxmlformats.org/markup-compatibility/2006" val="SMDATA_15_wwJCaRMAAAAlAAAAZAAAAA8BAAAAkAAAAEgAAACQAAAASAAAAAAAAAABAAAAAAAAAAEAAABQAAAAAAAAAAAA4D8AAAAAAADgPwAAAAAAAOA/AAAAAAAA4D8AAAAAAADgPwAAAAAAAOA/AAAAAAAA4D8AAAAAAADgPwAAAAAAAOA/AAAAAAAA4D8CAAAAjAAAAAAAAAAAAAAAu+DjDP///wgAAAAAAAAAAAAAAAAAAAAAAAAAAAAAAAAAAAAAZAAAAAEAAABAAAAAAAAAAAAAAAAAAAAAAAAAAAAAAAAAAAAAAAAAAAAAAAAAAAAAAAAAAAAAAAAAAAAAAAAAAAAAAAAAAAAAAAAAAAAAAAAAAAAAAAAAAAAAAAAAAAAAFAAAADwAAAAAAAAAAAAAAAAAAAkUAAAAAQAAABQAAAAUAAAAFAAAAAEAAAAAAAAAZAAAAGQAAAAAAAAAZAAAAGQAAAAVAAAAYAAAAAAAAAAAAAAADwAAACADAAAAAAAAAAAAAAEAAACgMgAAVgcAAKr4//8BAAAAf39/AAEAAABkAAAAAAAAABQAAABAHwAAAAAAACYAAAAAAAAAwOD//wAAAAAmAAAAZAAAABYAAABMAAAAAAAAAAAAAAAEAAAAAAAAAAEAAACAgIAKAAAAACgAAAAoAAAAZAAAAGQAAAAAAAAAzMzMAAAAAABQAAAAUAAAAGQAAABkAAAAAAAAABcAAAAUAAAAAAAAAAAAAAD/fwAA/38AAAAAAAAJAAAABAAAAHsAfAAeAAAAaAAAAAAAAAAAAAAAAAAAAAAAAAAAAAAAECcAABAnAAAAAAAAAAAAAAAAAAAAAAAAAAAAAAAAAAAAAAAAAAAAABQAAAAAAAAAwMD/AAAAAABkAAAAMgAAAAAAAABkAAAAAAAAAH9/fwAKAAAAIgAAABgAAAAAAAAAAAAAAAAAAAAAAAAAAAAAAAAAAAAkAAAAJAAAAAAAAAAHAAAAAAAAAAAAAAAAAAAAAAAAAAAAAAAAAAAAf39/ACUAAABYAAAAAAAAAAAAAAAAAAAAAAAAAAAAAAAAAAAAAAAAAAAAAAAAAAAAAAAAAAAAAAA/AAAAAAAAAKCGAQAAAAAAAAAAAAAAAAAMAAAAAQAAAAAAAAAAAAAAAAAAAB8AAABUAAAAAAAABQAAAAEAAAAAAAAAAAAAAAAAAAAAAAAAAAAAAAAAAAAAAAAAAAAAAAJ/f38AAAAAA8zMzADAwP8Af39/AAAAAAAAAAAAAAAAAAAAAAAAAAAAIQAAABgAAAAUAAAAwTUAABsnAABARwAAWSkAABAAAAAmAAAACAAAAAAAAAAAAAAA"/>
               </a:ext>
             </a:extLst>
           </p:cNvSpPr>
@@ -398,10 +406,10 @@
           <a:bodyPr/>
           <a:lstStyle/>
           <a:p>
-            <a:pPr/>
             <a:fld id="{2B3A6036-78C6-6F96-8882-8EC32ECC7EDB}" type="slidenum">
-              <a:t/>
+              <a:t>‹#›</a:t>
             </a:fld>
+            <a:endParaRPr/>
           </a:p>
         </p:txBody>
       </p:sp>
@@ -415,7 +423,7 @@
 </file>
 
 <file path=ppt/slideLayouts/slideLayout10.xml><?xml version="1.0" encoding="utf-8"?>
-<p:sldLayout xmlns:p="http://schemas.openxmlformats.org/presentationml/2006/main" xmlns:mc="http://schemas.openxmlformats.org/markup-compatibility/2006" xmlns:p14="http://schemas.microsoft.com/office/powerpoint/2010/main" xmlns:p15="http://schemas.microsoft.com/office/powerpoint/2012/main" xmlns:r="http://schemas.openxmlformats.org/officeDocument/2006/relationships" xmlns:a="http://schemas.openxmlformats.org/drawingml/2006/main" type="vertTx">
+<p:sldLayout xmlns:a="http://schemas.openxmlformats.org/drawingml/2006/main" xmlns:r="http://schemas.openxmlformats.org/officeDocument/2006/relationships" xmlns:p="http://schemas.openxmlformats.org/presentationml/2006/main" type="vertTx">
   <p:cSld name="Title and vertical text">
     <p:spTree>
       <p:nvGrpSpPr>
@@ -438,7 +446,7 @@
             <a:spLocks noGrp="1" noChangeArrowheads="1"/>
             <a:extLst>
               <a:ext uri="smNativeData">
-                <pr:smNativeData xmlns:pr="smNativeData" xmlns="smNativeData" val="SMDATA_15_wwJCaRMAAAAlAAAAZAAAAA8BAAAAkAAAAEgAAACQAAAASAAAAAAAAAABAAAAAAAAAAEAAABQAAAAAAAAAAAA4D8AAAAAAADgPwAAAAAAAOA/AAAAAAAA4D8AAAAAAADgPwAAAAAAAOA/AAAAAAAA4D8AAAAAAADgPwAAAAAAAOA/AAAAAAAA4D8CAAAAjAAAAAAAAAAAAAAAu+DjDP///wgAAAAAAAAAAAAAAAAAAAAAAAAAAAAAAAAAAAAAZAAAAAEAAABAAAAAAAAAAAAAAAAAAAAAAAAAAAAAAAAAAAAAAAAAAAAAAAAAAAAAAAAAAAAAAAAAAAAAAAAAAAAAAAAAAAAAAAAAAAAAAAAAAAAAAAAAAAAAAAAAAAAAFAAAADwAAAAAAAAAAAAAAAAAAAkUAAAAAQAAABQAAAAUAAAAFAAAAAEAAAAAAAAAZAAAAGQAAAAAAAAAZAAAAGQAAAAVAAAAYAAAAAAAAAAAAAAADwAAACADAAAAAAAAAAAAAAEAAACgMgAAVgcAAKr4//8BAAAAf39/AAEAAABkAAAAAAAAABQAAABAHwAAAAAAACYAAAAAAAAAwOD//wAAAAAmAAAAZAAAABYAAABMAAAAAAAAAAAAAAAEAAAAAAAAAAEAAACAgIAKAAAAACgAAAAoAAAAZAAAAGQAAAAAAAAAzMzMAAAAAABQAAAAUAAAAGQAAABkAAAAAAAAABcAAAAUAAAAAAAAAAAAAAD/fwAA/38AAAAAAAAJAAAABAAAAG49IjEeAAAAaAAAAAAAAAAAAAAAAAAAAAAAAAAAAAAAECcAABAnAAAAAAAAAAAAAAAAAAAAAAAAAAAAAAAAAAAAAAAAAAAAABQAAAAAAAAAwMD/AAAAAABkAAAAMgAAAAAAAABkAAAAAAAAAH9/fwAKAAAAIgAAABgAAAAAAAAAAAAAAAAAAAAAAAAAAAAAAAAAAAAkAAAAJAAAAAAAAAAHAAAAAAAAAAAAAAAAAAAAAAAAAAAAAAAAAAAAf39/ACUAAABYAAAAAAAAAAAAAAAAAAAAAAAAAAAAAAAAAAAAAAAAAAAAAAAAAAAAAAAAAAAAAAA/AAAAAAAAAKCGAQAAAAAAAAAAAAAAAAAMAAAAAQAAAAAAAAAAAAAAAAAAAB8AAABUAAAAAAAABQAAAAEAAAAAAAAAAAAAAAAAAAAAAAAAAAAAAAAAAAAAAAAAAAAAAAJ/f38AAAAAA8zMzADAwP8Af39/AAAAAAAAAAAAAAAAAAAAAAAAAAAAIQAAABgAAAAUAAAAwAMAALABAABARwAAuAgAABAAAAAmAAAACAAAAAAAAAAAAAAA"/>
+                <pr:smNativeData xmlns="smNativeData" xmlns:pr="smNativeData" xmlns:p15="http://schemas.microsoft.com/office/powerpoint/2012/main" xmlns:p14="http://schemas.microsoft.com/office/powerpoint/2010/main" xmlns:mc="http://schemas.openxmlformats.org/markup-compatibility/2006" val="SMDATA_15_wwJCaRMAAAAlAAAAZAAAAA8BAAAAkAAAAEgAAACQAAAASAAAAAAAAAABAAAAAAAAAAEAAABQAAAAAAAAAAAA4D8AAAAAAADgPwAAAAAAAOA/AAAAAAAA4D8AAAAAAADgPwAAAAAAAOA/AAAAAAAA4D8AAAAAAADgPwAAAAAAAOA/AAAAAAAA4D8CAAAAjAAAAAAAAAAAAAAAu+DjDP///wgAAAAAAAAAAAAAAAAAAAAAAAAAAAAAAAAAAAAAZAAAAAEAAABAAAAAAAAAAAAAAAAAAAAAAAAAAAAAAAAAAAAAAAAAAAAAAAAAAAAAAAAAAAAAAAAAAAAAAAAAAAAAAAAAAAAAAAAAAAAAAAAAAAAAAAAAAAAAAAAAAAAAFAAAADwAAAAAAAAAAAAAAAAAAAkUAAAAAQAAABQAAAAUAAAAFAAAAAEAAAAAAAAAZAAAAGQAAAAAAAAAZAAAAGQAAAAVAAAAYAAAAAAAAAAAAAAADwAAACADAAAAAAAAAAAAAAEAAACgMgAAVgcAAKr4//8BAAAAf39/AAEAAABkAAAAAAAAABQAAABAHwAAAAAAACYAAAAAAAAAwOD//wAAAAAmAAAAZAAAABYAAABMAAAAAAAAAAAAAAAEAAAAAAAAAAEAAACAgIAKAAAAACgAAAAoAAAAZAAAAGQAAAAAAAAAzMzMAAAAAABQAAAAUAAAAGQAAABkAAAAAAAAABcAAAAUAAAAAAAAAAAAAAD/fwAA/38AAAAAAAAJAAAABAAAAG49IjEeAAAAaAAAAAAAAAAAAAAAAAAAAAAAAAAAAAAAECcAABAnAAAAAAAAAAAAAAAAAAAAAAAAAAAAAAAAAAAAAAAAAAAAABQAAAAAAAAAwMD/AAAAAABkAAAAMgAAAAAAAABkAAAAAAAAAH9/fwAKAAAAIgAAABgAAAAAAAAAAAAAAAAAAAAAAAAAAAAAAAAAAAAkAAAAJAAAAAAAAAAHAAAAAAAAAAAAAAAAAAAAAAAAAAAAAAAAAAAAf39/ACUAAABYAAAAAAAAAAAAAAAAAAAAAAAAAAAAAAAAAAAAAAAAAAAAAAAAAAAAAAAAAAAAAAA/AAAAAAAAAKCGAQAAAAAAAAAAAAAAAAAMAAAAAQAAAAAAAAAAAAAAAAAAAB8AAABUAAAAAAAABQAAAAEAAAAAAAAAAAAAAAAAAAAAAAAAAAAAAAAAAAAAAAAAAAAAAAJ/f38AAAAAA8zMzADAwP8Af39/AAAAAAAAAAAAAAAAAAAAAAAAAAAAIQAAABgAAAAUAAAAwAMAALABAABARwAAuAgAABAAAAAmAAAACAAAAAAAAAAAAAAA"/>
               </a:ext>
             </a:extLst>
           </p:cNvSpPr>
@@ -451,7 +459,6 @@
           <a:bodyPr/>
           <a:lstStyle/>
           <a:p>
-            <a:pPr/>
             <a:r>
               <a:t>Click to edit Master title style</a:t>
             </a:r>
@@ -465,7 +472,7 @@
             <a:spLocks noGrp="1" noChangeArrowheads="1"/>
             <a:extLst>
               <a:ext uri="smNativeData">
-                <pr:smNativeData xmlns:pr="smNativeData" xmlns="smNativeData" val="SMDATA_15_wwJCaRMAAAAlAAAAZAAAAA8BAAAAkAAAAEgAAACQAAAASAAAAAAAAAAAAAAAAQAAAAEAAABQAAAAAAAAAAAA4D8AAAAAAADgPwAAAAAAAOA/AAAAAAAA4D8AAAAAAADgPwAAAAAAAOA/AAAAAAAA4D8AAAAAAADgPwAAAAAAAOA/AAAAAAAA4D8CAAAAjAAAAAAAAAAAAAAAu+DjDP///wgAAAAAAAAAAAAAAAAAAAAAAAAAAAAAAAAAAAAAZAAAAAEAAABAAAAAAAAAAAAAAAAAAAAAAAAAAAAAAAAAAAAAAAAAAAAAAAAAAAAAAAAAAAAAAAAAAAAAAAAAAAAAAAAAAAAAAAAAAAAAAAAAAAAAAAAAAAAAAAAAAAAAFAAAADwAAAAAAAAAAAAAAAAAAAkUAAAAAQAAABQAAAAUAAAAFAAAAAEAAAAAAAAAZAAAAGQAAAAAAAAAZAAAAGQAAAAVAAAAYAAAAAAAAAAAAAAADwAAACADAAAAAAAAAAAAAAEAAACgMgAAVgcAAKr4//8BAAAAf39/AAEAAABkAAAAAAAAABQAAABAHwAAAAAAACYAAAAAAAAAwOD//wAAAAAmAAAAZAAAABYAAABMAAAAAAAAAAAAAAAEAAAAAAAAAAEAAACAgIAKAAAAACgAAAAoAAAAZAAAAGQAAAAAAAAAzMzMAAAAAABQAAAAUAAAAGQAAABkAAAAAAAAABcAAAAUAAAAAAAAAAAAAAD/fwAA/38AAAAAAAAJAAAABAAAAAAAAAAeAAAAaAAAAAAAAAAAAAAAAAAAAAAAAAAAAAAAECcAABAnAAAAAAAAAAAAAAAAAAAAAAAAAAAAAAAAAAAAAAAAAAAAABQAAAAAAAAAwMD/AAAAAABkAAAAMgAAAAAAAABkAAAAAAAAAH9/fwAKAAAAIgAAABgAAAAAAAAAAAAAAAAAAAAAAAAAAAAAAAAAAAAkAAAAJAAAAAAAAAAHAAAAAAAAAAAAAAAAAAAAAAAAAAAAAAAAAAAAf39/ACUAAABYAAAAAAAAAAAAAAAAAAAAAAAAAAAAAAAAAAAAAAAAAAAAAAAAAAAAAAAAAAAAAAA/AAAAAAAAAKCGAQAAAAAAAAAAAAAAAAAMAAAAAQAAAAAAAAAAAAAAAAAAAB8AAABUAAAAAAAABQAAAAEAAAAAAAAAAAAAAAAAAAAAAAAAAAAAAAAAAAAAAAAAAAAAAAJ/f38AAAAAA8zMzADAwP8Af39/AAAAAAAAAAAAAAAAAAAAAAAAAAAAIQAAABgAAAAUAAAAwAMAANgJAABARwAAsCUAABAAAAAmAAAACAAAAAIAAAAAAAAA"/>
+                <pr:smNativeData xmlns="smNativeData" xmlns:pr="smNativeData" xmlns:p15="http://schemas.microsoft.com/office/powerpoint/2012/main" xmlns:p14="http://schemas.microsoft.com/office/powerpoint/2010/main" xmlns:mc="http://schemas.openxmlformats.org/markup-compatibility/2006" val="SMDATA_15_wwJCaRMAAAAlAAAAZAAAAA8BAAAAkAAAAEgAAACQAAAASAAAAAAAAAAAAAAAAQAAAAEAAABQAAAAAAAAAAAA4D8AAAAAAADgPwAAAAAAAOA/AAAAAAAA4D8AAAAAAADgPwAAAAAAAOA/AAAAAAAA4D8AAAAAAADgPwAAAAAAAOA/AAAAAAAA4D8CAAAAjAAAAAAAAAAAAAAAu+DjDP///wgAAAAAAAAAAAAAAAAAAAAAAAAAAAAAAAAAAAAAZAAAAAEAAABAAAAAAAAAAAAAAAAAAAAAAAAAAAAAAAAAAAAAAAAAAAAAAAAAAAAAAAAAAAAAAAAAAAAAAAAAAAAAAAAAAAAAAAAAAAAAAAAAAAAAAAAAAAAAAAAAAAAAFAAAADwAAAAAAAAAAAAAAAAAAAkUAAAAAQAAABQAAAAUAAAAFAAAAAEAAAAAAAAAZAAAAGQAAAAAAAAAZAAAAGQAAAAVAAAAYAAAAAAAAAAAAAAADwAAACADAAAAAAAAAAAAAAEAAACgMgAAVgcAAKr4//8BAAAAf39/AAEAAABkAAAAAAAAABQAAABAHwAAAAAAACYAAAAAAAAAwOD//wAAAAAmAAAAZAAAABYAAABMAAAAAAAAAAAAAAAEAAAAAAAAAAEAAACAgIAKAAAAACgAAAAoAAAAZAAAAGQAAAAAAAAAzMzMAAAAAABQAAAAUAAAAGQAAABkAAAAAAAAABcAAAAUAAAAAAAAAAAAAAD/fwAA/38AAAAAAAAJAAAABAAAAAAAAAAeAAAAaAAAAAAAAAAAAAAAAAAAAAAAAAAAAAAAECcAABAnAAAAAAAAAAAAAAAAAAAAAAAAAAAAAAAAAAAAAAAAAAAAABQAAAAAAAAAwMD/AAAAAABkAAAAMgAAAAAAAABkAAAAAAAAAH9/fwAKAAAAIgAAABgAAAAAAAAAAAAAAAAAAAAAAAAAAAAAAAAAAAAkAAAAJAAAAAAAAAAHAAAAAAAAAAAAAAAAAAAAAAAAAAAAAAAAAAAAf39/ACUAAABYAAAAAAAAAAAAAAAAAAAAAAAAAAAAAAAAAAAAAAAAAAAAAAAAAAAAAAAAAAAAAAA/AAAAAAAAAKCGAQAAAAAAAAAAAAAAAAAMAAAAAQAAAAAAAAAAAAAAAAAAAB8AAABUAAAAAAAABQAAAAEAAAAAAAAAAAAAAAAAAAAAAAAAAAAAAAAAAAAAAAAAAAAAAAJ/f38AAAAAA8zMzADAwP8Af39/AAAAAAAAAAAAAAAAAAAAAAAAAAAAIQAAABgAAAAUAAAAwAMAANgJAABARwAAsCUAABAAAAAmAAAACAAAAAIAAAAAAAAA"/>
               </a:ext>
             </a:extLst>
           </p:cNvSpPr>
@@ -482,7 +489,6 @@
           </a:bodyPr>
           <a:lstStyle/>
           <a:p>
-            <a:pPr/>
             <a:r>
               <a:t>Click to edit Master text styles</a:t>
             </a:r>
@@ -520,7 +526,7 @@
             <a:spLocks noGrp="1" noChangeArrowheads="1"/>
             <a:extLst>
               <a:ext uri="smNativeData">
-                <pr:smNativeData xmlns:pr="smNativeData" xmlns="smNativeData" val="SMDATA_15_wwJCaRMAAAAlAAAAZAAAAA8BAAAAkAAAAEgAAACQAAAASAAAAAAAAAABAAAAAAAAAAEAAABQAAAAAAAAAAAA4D8AAAAAAADgPwAAAAAAAOA/AAAAAAAA4D8AAAAAAADgPwAAAAAAAOA/AAAAAAAA4D8AAAAAAADgPwAAAAAAAOA/AAAAAAAA4D8CAAAAjAAAAAAAAAAAAAAAu+DjDP///wgAAAAAAAAAAAAAAAAAAAAAAAAAAAAAAAAAAAAAZAAAAAEAAABAAAAAAAAAAAAAAAAAAAAAAAAAAAAAAAAAAAAAAAAAAAAAAAAAAAAAAAAAAAAAAAAAAAAAAAAAAAAAAAAAAAAAAAAAAAAAAAAAAAAAAAAAAAAAAAAAAAAAFAAAADwAAAAAAAAAAAAAAAAAAAkUAAAAAQAAABQAAAAUAAAAFAAAAAEAAAAAAAAAZAAAAGQAAAAAAAAAZAAAAGQAAAAVAAAAYAAAAAAAAAAAAAAADwAAACADAAAAAAAAAAAAAAEAAACgMgAAVgcAAKr4//8BAAAAf39/AAEAAABkAAAAAAAAABQAAABAHwAAAAAAACYAAAAAAAAAwOD//wAAAAAmAAAAZAAAABYAAABMAAAAAAAAAAAAAAAEAAAAAAAAAAEAAACAgIAKAAAAACgAAAAoAAAAZAAAAGQAAAAAAAAAzMzMAAAAAABQAAAAUAAAAGQAAABkAAAAAAAAABcAAAAUAAAAAAAAAAAAAAD/fwAA/38AAAAAAAAJAAAABAAAAAAAAAAeAAAAaAAAAAAAAAAAAAAAAAAAAAAAAAAAAAAAECcAABAnAAAAAAAAAAAAAAAAAAAAAAAAAAAAAAAAAAAAAAAAAAAAABQAAAAAAAAAwMD/AAAAAABkAAAAMgAAAAAAAABkAAAAAAAAAH9/fwAKAAAAIgAAABgAAAAAAAAAAAAAAAAAAAAAAAAAAAAAAAAAAAAkAAAAJAAAAAAAAAAHAAAAAAAAAAAAAAAAAAAAAAAAAAAAAAAAAAAAf39/ACUAAABYAAAAAAAAAAAAAAAAAAAAAAAAAAAAAAAAAAAAAAAAAAAAAAAAAAAAAAAAAAAAAAA/AAAAAAAAAKCGAQAAAAAAAAAAAAAAAAAMAAAAAQAAAAAAAAAAAAAAAAAAAB8AAABUAAAAAAAABQAAAAEAAAAAAAAAAAAAAAAAAAAAAAAAAAAAAAAAAAAAAAAAAAAAAAJ/f38AAAAAA8zMzADAwP8Af39/AAAAAAAAAAAAAAAAAAAAAAAAAAAAIQAAABgAAAAUAAAAwAMAABsnAAA/FQAAWSkAABAAAAAmAAAACAAAAAAAAAAAAAAA"/>
+                <pr:smNativeData xmlns="smNativeData" xmlns:pr="smNativeData" xmlns:p15="http://schemas.microsoft.com/office/powerpoint/2012/main" xmlns:p14="http://schemas.microsoft.com/office/powerpoint/2010/main" xmlns:mc="http://schemas.openxmlformats.org/markup-compatibility/2006" val="SMDATA_15_wwJCaRMAAAAlAAAAZAAAAA8BAAAAkAAAAEgAAACQAAAASAAAAAAAAAABAAAAAAAAAAEAAABQAAAAAAAAAAAA4D8AAAAAAADgPwAAAAAAAOA/AAAAAAAA4D8AAAAAAADgPwAAAAAAAOA/AAAAAAAA4D8AAAAAAADgPwAAAAAAAOA/AAAAAAAA4D8CAAAAjAAAAAAAAAAAAAAAu+DjDP///wgAAAAAAAAAAAAAAAAAAAAAAAAAAAAAAAAAAAAAZAAAAAEAAABAAAAAAAAAAAAAAAAAAAAAAAAAAAAAAAAAAAAAAAAAAAAAAAAAAAAAAAAAAAAAAAAAAAAAAAAAAAAAAAAAAAAAAAAAAAAAAAAAAAAAAAAAAAAAAAAAAAAAFAAAADwAAAAAAAAAAAAAAAAAAAkUAAAAAQAAABQAAAAUAAAAFAAAAAEAAAAAAAAAZAAAAGQAAAAAAAAAZAAAAGQAAAAVAAAAYAAAAAAAAAAAAAAADwAAACADAAAAAAAAAAAAAAEAAACgMgAAVgcAAKr4//8BAAAAf39/AAEAAABkAAAAAAAAABQAAABAHwAAAAAAACYAAAAAAAAAwOD//wAAAAAmAAAAZAAAABYAAABMAAAAAAAAAAAAAAAEAAAAAAAAAAEAAACAgIAKAAAAACgAAAAoAAAAZAAAAGQAAAAAAAAAzMzMAAAAAABQAAAAUAAAAGQAAABkAAAAAAAAABcAAAAUAAAAAAAAAAAAAAD/fwAA/38AAAAAAAAJAAAABAAAAAAAAAAeAAAAaAAAAAAAAAAAAAAAAAAAAAAAAAAAAAAAECcAABAnAAAAAAAAAAAAAAAAAAAAAAAAAAAAAAAAAAAAAAAAAAAAABQAAAAAAAAAwMD/AAAAAABkAAAAMgAAAAAAAABkAAAAAAAAAH9/fwAKAAAAIgAAABgAAAAAAAAAAAAAAAAAAAAAAAAAAAAAAAAAAAAkAAAAJAAAAAAAAAAHAAAAAAAAAAAAAAAAAAAAAAAAAAAAAAAAAAAAf39/ACUAAABYAAAAAAAAAAAAAAAAAAAAAAAAAAAAAAAAAAAAAAAAAAAAAAAAAAAAAAAAAAAAAAA/AAAAAAAAAKCGAQAAAAAAAAAAAAAAAAAMAAAAAQAAAAAAAAAAAAAAAAAAAB8AAABUAAAAAAAABQAAAAEAAAAAAAAAAAAAAAAAAAAAAAAAAAAAAAAAAAAAAAAAAAAAAAJ/f38AAAAAA8zMzADAwP8Af39/AAAAAAAAAAAAAAAAAAAAAAAAAAAAIQAAABgAAAAUAAAAwAMAABsnAAA/FQAAWSkAABAAAAAmAAAACAAAAAAAAAAAAAAA"/>
               </a:ext>
             </a:extLst>
           </p:cNvSpPr>
@@ -533,10 +539,10 @@
           <a:bodyPr/>
           <a:lstStyle/>
           <a:p>
-            <a:pPr/>
             <a:fld id="{2B3A3FD1-9FC6-6FC9-8882-699C71CC7E3C}" type="datetime1">
-              <a:t/>
+              <a:t>12/16/2025</a:t>
             </a:fld>
+            <a:endParaRPr/>
           </a:p>
         </p:txBody>
       </p:sp>
@@ -547,7 +553,7 @@
             <a:spLocks noGrp="1" noChangeArrowheads="1"/>
             <a:extLst>
               <a:ext uri="smNativeData">
-                <pr:smNativeData xmlns:pr="smNativeData" xmlns="smNativeData" val="SMDATA_15_wwJCaRMAAAAlAAAAZAAAAA8BAAAAkAAAAEgAAACQAAAASAAAAAAAAAABAAAAAAAAAAEAAABQAAAAAAAAAAAA4D8AAAAAAADgPwAAAAAAAOA/AAAAAAAA4D8AAAAAAADgPwAAAAAAAOA/AAAAAAAA4D8AAAAAAADgPwAAAAAAAOA/AAAAAAAA4D8CAAAAjAAAAAAAAAAAAAAAu+DjDP///wgAAAAAAAAAAAAAAAAAAAAAAAAAAAAAAAAAAAAAZAAAAAEAAABAAAAAAAAAAAAAAAAAAAAAAAAAAAAAAAAAAAAAAAAAAAAAAAAAAAAAAAAAAAAAAAAAAAAAAAAAAAAAAAAAAAAAAAAAAAAAAAAAAAAAAAAAAAAAAAAAAAAAFAAAADwAAAAAAAAAAAAAAAAAAAkUAAAAAQAAABQAAAAUAAAAFAAAAAEAAAAAAAAAZAAAAGQAAAAAAAAAZAAAAGQAAAAVAAAAYAAAAAAAAAAAAAAADwAAACADAAAAAAAAAAAAAAEAAACgMgAAVgcAAKr4//8BAAAAf39/AAEAAABkAAAAAAAAABQAAABAHwAAAAAAACYAAAAAAAAAwOD//wAAAAAmAAAAZAAAABYAAABMAAAAAAAAAAAAAAAEAAAAAAAAAAEAAACAgIAKAAAAACgAAAAoAAAAZAAAAGQAAAAAAAAAzMzMAAAAAABQAAAAUAAAAGQAAABkAAAAAAAAABcAAAAUAAAAAAAAAAAAAAD/fwAA/38AAAAAAAAJAAAABAAAAGE6c3AeAAAAaAAAAAAAAAAAAAAAAAAAAAAAAAAAAAAAECcAABAnAAAAAAAAAAAAAAAAAAAAAAAAAAAAAAAAAAAAAAAAAAAAABQAAAAAAAAAwMD/AAAAAABkAAAAMgAAAAAAAABkAAAAAAAAAH9/fwAKAAAAIgAAABgAAAAAAAAAAAAAAAAAAAAAAAAAAAAAAAAAAAAkAAAAJAAAAAAAAAAHAAAAAAAAAAAAAAAAAAAAAAAAAAAAAAAAAAAAf39/ACUAAABYAAAAAAAAAAAAAAAAAAAAAAAAAAAAAAAAAAAAAAAAAAAAAAAAAAAAAAAAAAAAAAA/AAAAAAAAAKCGAQAAAAAAAAAAAAAAAAAMAAAAAQAAAAAAAAAAAAAAAAAAAB8AAABUAAAAAAAABQAAAAEAAAAAAAAAAAAAAAAAAAAAAAAAAAAAAAAAAAAAAAAAAAAAAAJ/f38AAAAAA8zMzADAwP8Af39/AAAAAAAAAAAAAAAAAAAAAAAAAAAAIQAAABgAAAAUAAAAoRkAABsnAABfMQAAWSkAABAAAAAmAAAACAAAAAAAAAAAAAAA"/>
+                <pr:smNativeData xmlns="smNativeData" xmlns:pr="smNativeData" xmlns:p15="http://schemas.microsoft.com/office/powerpoint/2012/main" xmlns:p14="http://schemas.microsoft.com/office/powerpoint/2010/main" xmlns:mc="http://schemas.openxmlformats.org/markup-compatibility/2006" val="SMDATA_15_wwJCaRMAAAAlAAAAZAAAAA8BAAAAkAAAAEgAAACQAAAASAAAAAAAAAABAAAAAAAAAAEAAABQAAAAAAAAAAAA4D8AAAAAAADgPwAAAAAAAOA/AAAAAAAA4D8AAAAAAADgPwAAAAAAAOA/AAAAAAAA4D8AAAAAAADgPwAAAAAAAOA/AAAAAAAA4D8CAAAAjAAAAAAAAAAAAAAAu+DjDP///wgAAAAAAAAAAAAAAAAAAAAAAAAAAAAAAAAAAAAAZAAAAAEAAABAAAAAAAAAAAAAAAAAAAAAAAAAAAAAAAAAAAAAAAAAAAAAAAAAAAAAAAAAAAAAAAAAAAAAAAAAAAAAAAAAAAAAAAAAAAAAAAAAAAAAAAAAAAAAAAAAAAAAFAAAADwAAAAAAAAAAAAAAAAAAAkUAAAAAQAAABQAAAAUAAAAFAAAAAEAAAAAAAAAZAAAAGQAAAAAAAAAZAAAAGQAAAAVAAAAYAAAAAAAAAAAAAAADwAAACADAAAAAAAAAAAAAAEAAACgMgAAVgcAAKr4//8BAAAAf39/AAEAAABkAAAAAAAAABQAAABAHwAAAAAAACYAAAAAAAAAwOD//wAAAAAmAAAAZAAAABYAAABMAAAAAAAAAAAAAAAEAAAAAAAAAAEAAACAgIAKAAAAACgAAAAoAAAAZAAAAGQAAAAAAAAAzMzMAAAAAABQAAAAUAAAAGQAAABkAAAAAAAAABcAAAAUAAAAAAAAAAAAAAD/fwAA/38AAAAAAAAJAAAABAAAAGE6c3AeAAAAaAAAAAAAAAAAAAAAAAAAAAAAAAAAAAAAECcAABAnAAAAAAAAAAAAAAAAAAAAAAAAAAAAAAAAAAAAAAAAAAAAABQAAAAAAAAAwMD/AAAAAABkAAAAMgAAAAAAAABkAAAAAAAAAH9/fwAKAAAAIgAAABgAAAAAAAAAAAAAAAAAAAAAAAAAAAAAAAAAAAAkAAAAJAAAAAAAAAAHAAAAAAAAAAAAAAAAAAAAAAAAAAAAAAAAAAAAf39/ACUAAABYAAAAAAAAAAAAAAAAAAAAAAAAAAAAAAAAAAAAAAAAAAAAAAAAAAAAAAAAAAAAAAA/AAAAAAAAAKCGAQAAAAAAAAAAAAAAAAAMAAAAAQAAAAAAAAAAAAAAAAAAAB8AAABUAAAAAAAABQAAAAEAAAAAAAAAAAAAAAAAAAAAAAAAAAAAAAAAAAAAAAAAAAAAAAJ/f38AAAAAA8zMzADAwP8Af39/AAAAAAAAAAAAAAAAAAAAAAAAAAAAIQAAABgAAAAUAAAAoRkAABsnAABfMQAAWSkAABAAAAAmAAAACAAAAAAAAAAAAAAA"/>
               </a:ext>
             </a:extLst>
           </p:cNvSpPr>
@@ -560,7 +566,7 @@
           <a:bodyPr/>
           <a:lstStyle/>
           <a:p>
-            <a:pPr/>
+            <a:endParaRPr/>
           </a:p>
         </p:txBody>
       </p:sp>
@@ -571,7 +577,7 @@
             <a:spLocks noGrp="1" noChangeArrowheads="1"/>
             <a:extLst>
               <a:ext uri="smNativeData">
-                <pr:smNativeData xmlns:pr="smNativeData" xmlns="smNativeData" val="SMDATA_15_wwJCaRMAAAAlAAAAZAAAAA8BAAAAkAAAAEgAAACQAAAASAAAAAAAAAABAAAAAAAAAAEAAABQAAAAAAAAAAAA4D8AAAAAAADgPwAAAAAAAOA/AAAAAAAA4D8AAAAAAADgPwAAAAAAAOA/AAAAAAAA4D8AAAAAAADgPwAAAAAAAOA/AAAAAAAA4D8CAAAAjAAAAAAAAAAAAAAAu+DjDP///wgAAAAAAAAAAAAAAAAAAAAAAAAAAAAAAAAAAAAAZAAAAAEAAABAAAAAAAAAAAAAAAAAAAAAAAAAAAAAAAAAAAAAAAAAAAAAAAAAAAAAAAAAAAAAAAAAAAAAAAAAAAAAAAAAAAAAAAAAAAAAAAAAAAAAAAAAAAAAAAAAAAAAFAAAADwAAAAAAAAAAAAAAAAAAAkUAAAAAQAAABQAAAAUAAAAFAAAAAEAAAAAAAAAZAAAAGQAAAAAAAAAZAAAAGQAAAAVAAAAYAAAAAAAAAAAAAAADwAAACADAAAAAAAAAAAAAAEAAACgMgAAVgcAAKr4//8BAAAAf39/AAEAAABkAAAAAAAAABQAAABAHwAAAAAAACYAAAAAAAAAwOD//wAAAAAmAAAAZAAAABYAAABMAAAAAAAAAAAAAAAEAAAAAAAAAAEAAACAgIAKAAAAACgAAAAoAAAAZAAAAGQAAAAAAAAAzMzMAAAAAABQAAAAUAAAAGQAAABkAAAAAAAAABcAAAAUAAAAAAAAAAAAAAD/fwAA/38AAAAAAAAJAAAABAAAAAAAAAAeAAAAaAAAAAAAAAAAAAAAAAAAAAAAAAAAAAAAECcAABAnAAAAAAAAAAAAAAAAAAAAAAAAAAAAAAAAAAAAAAAAAAAAABQAAAAAAAAAwMD/AAAAAABkAAAAMgAAAAAAAABkAAAAAAAAAH9/fwAKAAAAIgAAABgAAAAAAAAAAAAAAAAAAAAAAAAAAAAAAAAAAAAkAAAAJAAAAAAAAAAHAAAAAAAAAAAAAAAAAAAAAAAAAAAAAAAAAAAAf39/ACUAAABYAAAAAAAAAAAAAAAAAAAAAAAAAAAAAAAAAAAAAAAAAAAAAAAAAAAAAAAAAAAAAAA/AAAAAAAAAKCGAQAAAAAAAAAAAAAAAAAMAAAAAQAAAAAAAAAAAAAAAAAAAB8AAABUAAAAAAAABQAAAAEAAAAAAAAAAAAAAAAAAAAAAAAAAAAAAAAAAAAAAAAAAAAAAAJ/f38AAAAAA8zMzADAwP8Af39/AAAAAAAAAAAAAAAAAAAAAAAAAAAAIQAAABgAAAAUAAAAwTUAABsnAABARwAAWSkAABAAAAAmAAAACAAAAAAAAAAAAAAA"/>
+                <pr:smNativeData xmlns="smNativeData" xmlns:pr="smNativeData" xmlns:p15="http://schemas.microsoft.com/office/powerpoint/2012/main" xmlns:p14="http://schemas.microsoft.com/office/powerpoint/2010/main" xmlns:mc="http://schemas.openxmlformats.org/markup-compatibility/2006" val="SMDATA_15_wwJCaRMAAAAlAAAAZAAAAA8BAAAAkAAAAEgAAACQAAAASAAAAAAAAAABAAAAAAAAAAEAAABQAAAAAAAAAAAA4D8AAAAAAADgPwAAAAAAAOA/AAAAAAAA4D8AAAAAAADgPwAAAAAAAOA/AAAAAAAA4D8AAAAAAADgPwAAAAAAAOA/AAAAAAAA4D8CAAAAjAAAAAAAAAAAAAAAu+DjDP///wgAAAAAAAAAAAAAAAAAAAAAAAAAAAAAAAAAAAAAZAAAAAEAAABAAAAAAAAAAAAAAAAAAAAAAAAAAAAAAAAAAAAAAAAAAAAAAAAAAAAAAAAAAAAAAAAAAAAAAAAAAAAAAAAAAAAAAAAAAAAAAAAAAAAAAAAAAAAAAAAAAAAAFAAAADwAAAAAAAAAAAAAAAAAAAkUAAAAAQAAABQAAAAUAAAAFAAAAAEAAAAAAAAAZAAAAGQAAAAAAAAAZAAAAGQAAAAVAAAAYAAAAAAAAAAAAAAADwAAACADAAAAAAAAAAAAAAEAAACgMgAAVgcAAKr4//8BAAAAf39/AAEAAABkAAAAAAAAABQAAABAHwAAAAAAACYAAAAAAAAAwOD//wAAAAAmAAAAZAAAABYAAABMAAAAAAAAAAAAAAAEAAAAAAAAAAEAAACAgIAKAAAAACgAAAAoAAAAZAAAAGQAAAAAAAAAzMzMAAAAAABQAAAAUAAAAGQAAABkAAAAAAAAABcAAAAUAAAAAAAAAAAAAAD/fwAA/38AAAAAAAAJAAAABAAAAAAAAAAeAAAAaAAAAAAAAAAAAAAAAAAAAAAAAAAAAAAAECcAABAnAAAAAAAAAAAAAAAAAAAAAAAAAAAAAAAAAAAAAAAAAAAAABQAAAAAAAAAwMD/AAAAAABkAAAAMgAAAAAAAABkAAAAAAAAAH9/fwAKAAAAIgAAABgAAAAAAAAAAAAAAAAAAAAAAAAAAAAAAAAAAAAkAAAAJAAAAAAAAAAHAAAAAAAAAAAAAAAAAAAAAAAAAAAAAAAAAAAAf39/ACUAAABYAAAAAAAAAAAAAAAAAAAAAAAAAAAAAAAAAAAAAAAAAAAAAAAAAAAAAAAAAAAAAAA/AAAAAAAAAKCGAQAAAAAAAAAAAAAAAAAMAAAAAQAAAAAAAAAAAAAAAAAAAB8AAABUAAAAAAAABQAAAAEAAAAAAAAAAAAAAAAAAAAAAAAAAAAAAAAAAAAAAAAAAAAAAAJ/f38AAAAAA8zMzADAwP8Af39/AAAAAAAAAAAAAAAAAAAAAAAAAAAAIQAAABgAAAAUAAAAwTUAABsnAABARwAAWSkAABAAAAAmAAAACAAAAAAAAAAAAAAA"/>
               </a:ext>
             </a:extLst>
           </p:cNvSpPr>
@@ -584,10 +590,10 @@
           <a:bodyPr/>
           <a:lstStyle/>
           <a:p>
-            <a:pPr/>
             <a:fld id="{2B3A23AE-E0C6-6FD5-8882-16806DCC7E43}" type="slidenum">
-              <a:t/>
+              <a:t>‹#›</a:t>
             </a:fld>
+            <a:endParaRPr/>
           </a:p>
         </p:txBody>
       </p:sp>
@@ -601,7 +607,7 @@
 </file>
 
 <file path=ppt/slideLayouts/slideLayout11.xml><?xml version="1.0" encoding="utf-8"?>
-<p:sldLayout xmlns:p="http://schemas.openxmlformats.org/presentationml/2006/main" xmlns:mc="http://schemas.openxmlformats.org/markup-compatibility/2006" xmlns:p14="http://schemas.microsoft.com/office/powerpoint/2010/main" xmlns:p15="http://schemas.microsoft.com/office/powerpoint/2012/main" xmlns:r="http://schemas.openxmlformats.org/officeDocument/2006/relationships" xmlns:a="http://schemas.openxmlformats.org/drawingml/2006/main" type="vertTitleAndTx">
+<p:sldLayout xmlns:a="http://schemas.openxmlformats.org/drawingml/2006/main" xmlns:r="http://schemas.openxmlformats.org/officeDocument/2006/relationships" xmlns:p="http://schemas.openxmlformats.org/presentationml/2006/main" type="vertTitleAndTx">
   <p:cSld name="Vertical title and text">
     <p:spTree>
       <p:nvGrpSpPr>
@@ -624,7 +630,7 @@
             <a:spLocks noGrp="1" noChangeArrowheads="1"/>
             <a:extLst>
               <a:ext uri="smNativeData">
-                <pr:smNativeData xmlns:pr="smNativeData" xmlns="smNativeData" val="SMDATA_15_wwJCaRMAAAAlAAAAZAAAAA8BAAAAkAAAAEgAAACQAAAASAAAAAAAAAACAAAAAQAAAAEAAABQAAAAAAAAAAAA4D8AAAAAAADgPwAAAAAAAOA/AAAAAAAA4D8AAAAAAADgPwAAAAAAAOA/AAAAAAAA4D8AAAAAAADgPwAAAAAAAOA/AAAAAAAA4D8CAAAAjAAAAAAAAAAAAAAAu+DjDP///wgAAAAAAAAAAAAAAAAAAAAAAAAAAAAAAAAAAAAAZAAAAAEAAABAAAAAAAAAAAAAAAAAAAAAAAAAAAAAAAAAAAAAAAAAAAAAAAAAAAAAAAAAAAAAAAAAAAAAAAAAAAAAAAAAAAAAAAAAAAAAAAAAAAAAAAAAAAAAAAAAAAAAFAAAADwAAAAAAAAAAAAAAAAAAAkUAAAAAQAAABQAAAAUAAAAFAAAAAEAAAAAAAAAZAAAAGQAAAAAAAAAZAAAAGQAAAAVAAAAYAAAAAAAAAAAAAAADwAAACADAAAAAAAAAAAAAAEAAACgMgAAVgcAAKr4//8BAAAAf39/AAEAAABkAAAAAAAAABQAAABAHwAAAAAAACYAAAAAAAAAwOD//wAAAAAmAAAAZAAAABYAAABMAAAAAAAAAAAAAAAEAAAAAAAAAAEAAACAgIAKAAAAACgAAAAoAAAAZAAAAGQAAAAAAAAAzMzMAAAAAABQAAAAUAAAAGQAAABkAAAAAAAAABcAAAAUAAAAAAAAAAAAAAD/fwAA/38AAAAAAAAJAAAABAAAAAAAAAAeAAAAaAAAAAAAAAAAAAAAAAAAAAAAAAAAAAAAECcAABAnAAAAAAAAAAAAAAAAAAAAAAAAAAAAAAAAAAAAAAAAAAAAABQAAAAAAAAAwMD/AAAAAABkAAAAMgAAAAAAAABkAAAAAAAAAH9/fwAKAAAAIgAAABgAAAAAAAAAAAAAAAAAAAAAAAAAAAAAAAAAAAAkAAAAJAAAAAAAAAAHAAAAAAAAAAAAAAAAAAAAAAAAAAAAAAAAAAAAf39/ACUAAABYAAAAAAAAAAAAAAAAAAAAAAAAAAAAAAAAAAAAAAAAAAAAAAAAAAAAAAAAAAAAAAA/AAAAAAAAAKCGAQAAAAAAAAAAAAAAAAAMAAAAAQAAAAAAAAAAAAAAAAAAAB8AAABUAAAAAAAABQAAAAEAAAAAAAAAAAAAAAAAAAAAAAAAAAAAAAAAAAAAAAAAAAAAAAJ/f38AAAAAA8zMzADAwP8Af39/AAAAAAAAAAAAAAAAAAAAAAAAAAAAIQAAABgAAAAUAAAAYDYAALABAABARwAAsCUAABAAAAAmAAAACAAAAIMAAAAAAAAA"/>
+                <pr:smNativeData xmlns="smNativeData" xmlns:pr="smNativeData" xmlns:p15="http://schemas.microsoft.com/office/powerpoint/2012/main" xmlns:p14="http://schemas.microsoft.com/office/powerpoint/2010/main" xmlns:mc="http://schemas.openxmlformats.org/markup-compatibility/2006" val="SMDATA_15_wwJCaRMAAAAlAAAAZAAAAA8BAAAAkAAAAEgAAACQAAAASAAAAAAAAAACAAAAAQAAAAEAAABQAAAAAAAAAAAA4D8AAAAAAADgPwAAAAAAAOA/AAAAAAAA4D8AAAAAAADgPwAAAAAAAOA/AAAAAAAA4D8AAAAAAADgPwAAAAAAAOA/AAAAAAAA4D8CAAAAjAAAAAAAAAAAAAAAu+DjDP///wgAAAAAAAAAAAAAAAAAAAAAAAAAAAAAAAAAAAAAZAAAAAEAAABAAAAAAAAAAAAAAAAAAAAAAAAAAAAAAAAAAAAAAAAAAAAAAAAAAAAAAAAAAAAAAAAAAAAAAAAAAAAAAAAAAAAAAAAAAAAAAAAAAAAAAAAAAAAAAAAAAAAAFAAAADwAAAAAAAAAAAAAAAAAAAkUAAAAAQAAABQAAAAUAAAAFAAAAAEAAAAAAAAAZAAAAGQAAAAAAAAAZAAAAGQAAAAVAAAAYAAAAAAAAAAAAAAADwAAACADAAAAAAAAAAAAAAEAAACgMgAAVgcAAKr4//8BAAAAf39/AAEAAABkAAAAAAAAABQAAABAHwAAAAAAACYAAAAAAAAAwOD//wAAAAAmAAAAZAAAABYAAABMAAAAAAAAAAAAAAAEAAAAAAAAAAEAAACAgIAKAAAAACgAAAAoAAAAZAAAAGQAAAAAAAAAzMzMAAAAAABQAAAAUAAAAGQAAABkAAAAAAAAABcAAAAUAAAAAAAAAAAAAAD/fwAA/38AAAAAAAAJAAAABAAAAAAAAAAeAAAAaAAAAAAAAAAAAAAAAAAAAAAAAAAAAAAAECcAABAnAAAAAAAAAAAAAAAAAAAAAAAAAAAAAAAAAAAAAAAAAAAAABQAAAAAAAAAwMD/AAAAAABkAAAAMgAAAAAAAABkAAAAAAAAAH9/fwAKAAAAIgAAABgAAAAAAAAAAAAAAAAAAAAAAAAAAAAAAAAAAAAkAAAAJAAAAAAAAAAHAAAAAAAAAAAAAAAAAAAAAAAAAAAAAAAAAAAAf39/ACUAAABYAAAAAAAAAAAAAAAAAAAAAAAAAAAAAAAAAAAAAAAAAAAAAAAAAAAAAAAAAAAAAAA/AAAAAAAAAKCGAQAAAAAAAAAAAAAAAAAMAAAAAQAAAAAAAAAAAAAAAAAAAB8AAABUAAAAAAAABQAAAAEAAAAAAAAAAAAAAAAAAAAAAAAAAAAAAAAAAAAAAAAAAAAAAAJ/f38AAAAAA8zMzADAwP8Af39/AAAAAAAAAAAAAAAAAAAAAAAAAAAAIQAAABgAAAAUAAAAYDYAALABAABARwAAsCUAABAAAAAmAAAACAAAAIMAAAAAAAAA"/>
               </a:ext>
             </a:extLst>
           </p:cNvSpPr>
@@ -646,7 +652,6 @@
           </a:bodyPr>
           <a:lstStyle/>
           <a:p>
-            <a:pPr/>
             <a:r>
               <a:t>Click to edit Master title style</a:t>
             </a:r>
@@ -660,7 +665,7 @@
             <a:spLocks noGrp="1" noChangeArrowheads="1"/>
             <a:extLst>
               <a:ext uri="smNativeData">
-                <pr:smNativeData xmlns:pr="smNativeData" xmlns="smNativeData" val="SMDATA_15_wwJCaRMAAAAlAAAAZAAAAA8BAAAAkAAAAEgAAACQAAAASAAAAAAAAAAAAAAAAQAAAAEAAABQAAAAAAAAAAAA4D8AAAAAAADgPwAAAAAAAOA/AAAAAAAA4D8AAAAAAADgPwAAAAAAAOA/AAAAAAAA4D8AAAAAAADgPwAAAAAAAOA/AAAAAAAA4D8CAAAAjAAAAAAAAAAAAAAAu+DjDP///wgAAAAAAAAAAAAAAAAAAAAAAAAAAAAAAAAAAAAAZAAAAAEAAABAAAAAAAAAAAAAAAAAAAAAAAAAAAAAAAAAAAAAAAAAAAAAAAAAAAAAAAAAAAAAAAAAAAAAAAAAAAAAAAAAAAAAAAAAAAAAAAAAAAAAAAAAAAAAAAAAAAAAFAAAADwAAAAAAAAAAAAAAAAAAAkUAAAAAQAAABQAAAAUAAAAFAAAAAEAAAAAAAAAZAAAAGQAAAAAAAAAZAAAAGQAAAAVAAAAYAAAAAAAAAAAAAAADwAAACADAAAAAAAAAAAAAAEAAACgMgAAVgcAAKr4//8BAAAAf39/AAEAAABkAAAAAAAAABQAAABAHwAAAAAAACYAAAAAAAAAwOD//wAAAAAmAAAAZAAAABYAAABMAAAAAAAAAAAAAAAEAAAAAAAAAAEAAACAgIAKAAAAACgAAAAoAAAAZAAAAGQAAAAAAAAAzMzMAAAAAABQAAAAUAAAAGQAAABkAAAAAAAAABcAAAAUAAAAAAAAAAAAAAD/fwAA/38AAAAAAAAJAAAABAAAAAAAAAAeAAAAaAAAAAAAAAAAAAAAAAAAAAAAAAAAAAAAECcAABAnAAAAAAAAAAAAAAAAAAAAAAAAAAAAAAAAAAAAAAAAAAAAABQAAAAAAAAAwMD/AAAAAABkAAAAMgAAAAAAAABkAAAAAAAAAH9/fwAKAAAAIgAAABgAAAAAAAAAAAAAAAAAAAAAAAAAAAAAAAAAAAAkAAAAJAAAAAAAAAAHAAAAAAAAAAAAAAAAAAAAAAAAAAAAAAAAAAAAf39/ACUAAABYAAAAAAAAAAAAAAAAAAAAAAAAAAAAAAAAAAAAAAAAAAAAAAAAAAAAAAAAAAAAAAA/AAAAAAAAAKCGAQAAAAAAAAAAAAAAAAAMAAAAAQAAAAAAAAAAAAAAAAAAAB8AAABUAAAAAAAABQAAAAEAAAAAAAAAAAAAAAAAAAAAAAAAAAAAAAAAAAAAAAAAAAAAAAJ/f38AAAAAA8zMzADAwP8Af39/AAAAAAAAAAAAAAAAAAAAAAAAAAAAIQAAABgAAAAUAAAAwAMAALABAAAfNQAAsCUAABAAAAAmAAAACAAAAAMAAAAAAAAA"/>
+                <pr:smNativeData xmlns="smNativeData" xmlns:pr="smNativeData" xmlns:p15="http://schemas.microsoft.com/office/powerpoint/2012/main" xmlns:p14="http://schemas.microsoft.com/office/powerpoint/2010/main" xmlns:mc="http://schemas.openxmlformats.org/markup-compatibility/2006" val="SMDATA_15_wwJCaRMAAAAlAAAAZAAAAA8BAAAAkAAAAEgAAACQAAAASAAAAAAAAAAAAAAAAQAAAAEAAABQAAAAAAAAAAAA4D8AAAAAAADgPwAAAAAAAOA/AAAAAAAA4D8AAAAAAADgPwAAAAAAAOA/AAAAAAAA4D8AAAAAAADgPwAAAAAAAOA/AAAAAAAA4D8CAAAAjAAAAAAAAAAAAAAAu+DjDP///wgAAAAAAAAAAAAAAAAAAAAAAAAAAAAAAAAAAAAAZAAAAAEAAABAAAAAAAAAAAAAAAAAAAAAAAAAAAAAAAAAAAAAAAAAAAAAAAAAAAAAAAAAAAAAAAAAAAAAAAAAAAAAAAAAAAAAAAAAAAAAAAAAAAAAAAAAAAAAAAAAAAAAFAAAADwAAAAAAAAAAAAAAAAAAAkUAAAAAQAAABQAAAAUAAAAFAAAAAEAAAAAAAAAZAAAAGQAAAAAAAAAZAAAAGQAAAAVAAAAYAAAAAAAAAAAAAAADwAAACADAAAAAAAAAAAAAAEAAACgMgAAVgcAAKr4//8BAAAAf39/AAEAAABkAAAAAAAAABQAAABAHwAAAAAAACYAAAAAAAAAwOD//wAAAAAmAAAAZAAAABYAAABMAAAAAAAAAAAAAAAEAAAAAAAAAAEAAACAgIAKAAAAACgAAAAoAAAAZAAAAGQAAAAAAAAAzMzMAAAAAABQAAAAUAAAAGQAAABkAAAAAAAAABcAAAAUAAAAAAAAAAAAAAD/fwAA/38AAAAAAAAJAAAABAAAAAAAAAAeAAAAaAAAAAAAAAAAAAAAAAAAAAAAAAAAAAAAECcAABAnAAAAAAAAAAAAAAAAAAAAAAAAAAAAAAAAAAAAAAAAAAAAABQAAAAAAAAAwMD/AAAAAABkAAAAMgAAAAAAAABkAAAAAAAAAH9/fwAKAAAAIgAAABgAAAAAAAAAAAAAAAAAAAAAAAAAAAAAAAAAAAAkAAAAJAAAAAAAAAAHAAAAAAAAAAAAAAAAAAAAAAAAAAAAAAAAAAAAf39/ACUAAABYAAAAAAAAAAAAAAAAAAAAAAAAAAAAAAAAAAAAAAAAAAAAAAAAAAAAAAAAAAAAAAA/AAAAAAAAAKCGAQAAAAAAAAAAAAAAAAAMAAAAAQAAAAAAAAAAAAAAAAAAAB8AAABUAAAAAAAABQAAAAEAAAAAAAAAAAAAAAAAAAAAAAAAAAAAAAAAAAAAAAAAAAAAAAJ/f38AAAAAA8zMzADAwP8Af39/AAAAAAAAAAAAAAAAAAAAAAAAAAAAIQAAABgAAAAUAAAAwAMAALABAAAfNQAAsCUAABAAAAAmAAAACAAAAAMAAAAAAAAA"/>
               </a:ext>
             </a:extLst>
           </p:cNvSpPr>
@@ -682,7 +687,6 @@
           </a:bodyPr>
           <a:lstStyle/>
           <a:p>
-            <a:pPr/>
             <a:r>
               <a:t>Click to edit Master text styles</a:t>
             </a:r>
@@ -720,7 +724,7 @@
             <a:spLocks noGrp="1" noChangeArrowheads="1"/>
             <a:extLst>
               <a:ext uri="smNativeData">
-                <pr:smNativeData xmlns:pr="smNativeData" xmlns="smNativeData" val="SMDATA_15_wwJCaRMAAAAlAAAAZAAAAA8BAAAAkAAAAEgAAACQAAAASAAAAAAAAAABAAAAAAAAAAEAAABQAAAAAAAAAAAA4D8AAAAAAADgPwAAAAAAAOA/AAAAAAAA4D8AAAAAAADgPwAAAAAAAOA/AAAAAAAA4D8AAAAAAADgPwAAAAAAAOA/AAAAAAAA4D8CAAAAjAAAAAAAAAAAAAAAu+DjDP///wgAAAAAAAAAAAAAAAAAAAAAAAAAAAAAAAAAAAAAZAAAAAEAAABAAAAAAAAAAAAAAAAAAAAAAAAAAAAAAAAAAAAAAAAAAAAAAAAAAAAAAAAAAAAAAAAAAAAAAAAAAAAAAAAAAAAAAAAAAAAAAAAAAAAAAAAAAAAAAAAAAAAAFAAAADwAAAAAAAAAAAAAAAAAAAkUAAAAAQAAABQAAAAUAAAAFAAAAAEAAAAAAAAAZAAAAGQAAAAAAAAAZAAAAGQAAAAVAAAAYAAAAAAAAAAAAAAADwAAACADAAAAAAAAAAAAAAEAAACgMgAAVgcAAKr4//8BAAAAf39/AAEAAABkAAAAAAAAABQAAABAHwAAAAAAACYAAAAAAAAAwOD//wAAAAAmAAAAZAAAABYAAABMAAAAAAAAAAAAAAAEAAAAAAAAAAEAAACAgIAKAAAAACgAAAAoAAAAZAAAAGQAAAAAAAAAzMzMAAAAAABQAAAAUAAAAGQAAABkAAAAAAAAABcAAAAUAAAAAAAAAAAAAAD/fwAA/38AAAAAAAAJAAAABAAAAAAAAAAeAAAAaAAAAAAAAAAAAAAAAAAAAAAAAAAAAAAAECcAABAnAAAAAAAAAAAAAAAAAAAAAAAAAAAAAAAAAAAAAAAAAAAAABQAAAAAAAAAwMD/AAAAAABkAAAAMgAAAAAAAABkAAAAAAAAAH9/fwAKAAAAIgAAABgAAAAAAAAAAAAAAAAAAAAAAAAAAAAAAAAAAAAkAAAAJAAAAAAAAAAHAAAAAAAAAAAAAAAAAAAAAAAAAAAAAAAAAAAAf39/ACUAAABYAAAAAAAAAAAAAAAAAAAAAAAAAAAAAAAAAAAAAAAAAAAAAAAAAAAAAAAAAAAAAAA/AAAAAAAAAKCGAQAAAAAAAAAAAAAAAAAMAAAAAQAAAAAAAAAAAAAAAAAAAB8AAABUAAAAAAAABQAAAAEAAAAAAAAAAAAAAAAAAAAAAAAAAAAAAAAAAAAAAAAAAAAAAAJ/f38AAAAAA8zMzADAwP8Af39/AAAAAAAAAAAAAAAAAAAAAAAAAAAAIQAAABgAAAAUAAAAwAMAABsnAAA/FQAAWSkAABAAAAAmAAAACAAAAAAAAAAAAAAA"/>
+                <pr:smNativeData xmlns="smNativeData" xmlns:pr="smNativeData" xmlns:p15="http://schemas.microsoft.com/office/powerpoint/2012/main" xmlns:p14="http://schemas.microsoft.com/office/powerpoint/2010/main" xmlns:mc="http://schemas.openxmlformats.org/markup-compatibility/2006" val="SMDATA_15_wwJCaRMAAAAlAAAAZAAAAA8BAAAAkAAAAEgAAACQAAAASAAAAAAAAAABAAAAAAAAAAEAAABQAAAAAAAAAAAA4D8AAAAAAADgPwAAAAAAAOA/AAAAAAAA4D8AAAAAAADgPwAAAAAAAOA/AAAAAAAA4D8AAAAAAADgPwAAAAAAAOA/AAAAAAAA4D8CAAAAjAAAAAAAAAAAAAAAu+DjDP///wgAAAAAAAAAAAAAAAAAAAAAAAAAAAAAAAAAAAAAZAAAAAEAAABAAAAAAAAAAAAAAAAAAAAAAAAAAAAAAAAAAAAAAAAAAAAAAAAAAAAAAAAAAAAAAAAAAAAAAAAAAAAAAAAAAAAAAAAAAAAAAAAAAAAAAAAAAAAAAAAAAAAAFAAAADwAAAAAAAAAAAAAAAAAAAkUAAAAAQAAABQAAAAUAAAAFAAAAAEAAAAAAAAAZAAAAGQAAAAAAAAAZAAAAGQAAAAVAAAAYAAAAAAAAAAAAAAADwAAACADAAAAAAAAAAAAAAEAAACgMgAAVgcAAKr4//8BAAAAf39/AAEAAABkAAAAAAAAABQAAABAHwAAAAAAACYAAAAAAAAAwOD//wAAAAAmAAAAZAAAABYAAABMAAAAAAAAAAAAAAAEAAAAAAAAAAEAAACAgIAKAAAAACgAAAAoAAAAZAAAAGQAAAAAAAAAzMzMAAAAAABQAAAAUAAAAGQAAABkAAAAAAAAABcAAAAUAAAAAAAAAAAAAAD/fwAA/38AAAAAAAAJAAAABAAAAAAAAAAeAAAAaAAAAAAAAAAAAAAAAAAAAAAAAAAAAAAAECcAABAnAAAAAAAAAAAAAAAAAAAAAAAAAAAAAAAAAAAAAAAAAAAAABQAAAAAAAAAwMD/AAAAAABkAAAAMgAAAAAAAABkAAAAAAAAAH9/fwAKAAAAIgAAABgAAAAAAAAAAAAAAAAAAAAAAAAAAAAAAAAAAAAkAAAAJAAAAAAAAAAHAAAAAAAAAAAAAAAAAAAAAAAAAAAAAAAAAAAAf39/ACUAAABYAAAAAAAAAAAAAAAAAAAAAAAAAAAAAAAAAAAAAAAAAAAAAAAAAAAAAAAAAAAAAAA/AAAAAAAAAKCGAQAAAAAAAAAAAAAAAAAMAAAAAQAAAAAAAAAAAAAAAAAAAB8AAABUAAAAAAAABQAAAAEAAAAAAAAAAAAAAAAAAAAAAAAAAAAAAAAAAAAAAAAAAAAAAAJ/f38AAAAAA8zMzADAwP8Af39/AAAAAAAAAAAAAAAAAAAAAAAAAAAAIQAAABgAAAAUAAAAwAMAABsnAAA/FQAAWSkAABAAAAAmAAAACAAAAAAAAAAAAAAA"/>
               </a:ext>
             </a:extLst>
           </p:cNvSpPr>
@@ -733,10 +737,10 @@
           <a:bodyPr/>
           <a:lstStyle/>
           <a:p>
-            <a:pPr/>
             <a:fld id="{2B3A1A1E-50C6-6FEC-8882-A6B954CC7EF3}" type="datetime1">
-              <a:t/>
+              <a:t>12/16/2025</a:t>
             </a:fld>
+            <a:endParaRPr/>
           </a:p>
         </p:txBody>
       </p:sp>
@@ -747,7 +751,7 @@
             <a:spLocks noGrp="1" noChangeArrowheads="1"/>
             <a:extLst>
               <a:ext uri="smNativeData">
-                <pr:smNativeData xmlns:pr="smNativeData" xmlns="smNativeData" val="SMDATA_15_wwJCaRMAAAAlAAAAZAAAAA8BAAAAkAAAAEgAAACQAAAASAAAAAAAAAABAAAAAAAAAAEAAABQAAAAAAAAAAAA4D8AAAAAAADgPwAAAAAAAOA/AAAAAAAA4D8AAAAAAADgPwAAAAAAAOA/AAAAAAAA4D8AAAAAAADgPwAAAAAAAOA/AAAAAAAA4D8CAAAAjAAAAAAAAAAAAAAAu+DjDP///wgAAAAAAAAAAAAAAAAAAAAAAAAAAAAAAAAAAAAAZAAAAAEAAABAAAAAAAAAAAAAAAAAAAAAAAAAAAAAAAAAAAAAAAAAAAAAAAAAAAAAAAAAAAAAAAAAAAAAAAAAAAAAAAAAAAAAAAAAAAAAAAAAAAAAAAAAAAAAAAAAAAAAFAAAADwAAAAAAAAAAAAAAAAAAAkUAAAAAQAAABQAAAAUAAAAFAAAAAEAAAAAAAAAZAAAAGQAAAAAAAAAZAAAAGQAAAAVAAAAYAAAAAAAAAAAAAAADwAAACADAAAAAAAAAAAAAAEAAACgMgAAVgcAAKr4//8BAAAAf39/AAEAAABkAAAAAAAAABQAAABAHwAAAAAAACYAAAAAAAAAwOD//wAAAAAmAAAAZAAAABYAAABMAAAAAAAAAAAAAAAEAAAAAAAAAAEAAACAgIAKAAAAACgAAAAoAAAAZAAAAGQAAAAAAAAAzMzMAAAAAABQAAAAUAAAAGQAAABkAAAAAAAAABcAAAAUAAAAAAAAAAAAAAD/fwAA/38AAAAAAAAJAAAABAAAAAAAAAAeAAAAaAAAAAAAAAAAAAAAAAAAAAAAAAAAAAAAECcAABAnAAAAAAAAAAAAAAAAAAAAAAAAAAAAAAAAAAAAAAAAAAAAABQAAAAAAAAAwMD/AAAAAABkAAAAMgAAAAAAAABkAAAAAAAAAH9/fwAKAAAAIgAAABgAAAAAAAAAAAAAAAAAAAAAAAAAAAAAAAAAAAAkAAAAJAAAAAAAAAAHAAAAAAAAAAAAAAAAAAAAAAAAAAAAAAAAAAAAf39/ACUAAABYAAAAAAAAAAAAAAAAAAAAAAAAAAAAAAAAAAAAAAAAAAAAAAAAAAAAAAAAAAAAAAA/AAAAAAAAAKCGAQAAAAAAAAAAAAAAAAAMAAAAAQAAAAAAAAAAAAAAAAAAAB8AAABUAAAAAAAABQAAAAEAAAAAAAAAAAAAAAAAAAAAAAAAAAAAAAAAAAAAAAAAAAAAAAJ/f38AAAAAA8zMzADAwP8Af39/AAAAAAAAAAAAAAAAAAAAAAAAAAAAIQAAABgAAAAUAAAAoRkAABsnAABfMQAAWSkAABAAAAAmAAAACAAAAAAAAAAAAAAA"/>
+                <pr:smNativeData xmlns="smNativeData" xmlns:pr="smNativeData" xmlns:p15="http://schemas.microsoft.com/office/powerpoint/2012/main" xmlns:p14="http://schemas.microsoft.com/office/powerpoint/2010/main" xmlns:mc="http://schemas.openxmlformats.org/markup-compatibility/2006" val="SMDATA_15_wwJCaRMAAAAlAAAAZAAAAA8BAAAAkAAAAEgAAACQAAAASAAAAAAAAAABAAAAAAAAAAEAAABQAAAAAAAAAAAA4D8AAAAAAADgPwAAAAAAAOA/AAAAAAAA4D8AAAAAAADgPwAAAAAAAOA/AAAAAAAA4D8AAAAAAADgPwAAAAAAAOA/AAAAAAAA4D8CAAAAjAAAAAAAAAAAAAAAu+DjDP///wgAAAAAAAAAAAAAAAAAAAAAAAAAAAAAAAAAAAAAZAAAAAEAAABAAAAAAAAAAAAAAAAAAAAAAAAAAAAAAAAAAAAAAAAAAAAAAAAAAAAAAAAAAAAAAAAAAAAAAAAAAAAAAAAAAAAAAAAAAAAAAAAAAAAAAAAAAAAAAAAAAAAAFAAAADwAAAAAAAAAAAAAAAAAAAkUAAAAAQAAABQAAAAUAAAAFAAAAAEAAAAAAAAAZAAAAGQAAAAAAAAAZAAAAGQAAAAVAAAAYAAAAAAAAAAAAAAADwAAACADAAAAAAAAAAAAAAEAAACgMgAAVgcAAKr4//8BAAAAf39/AAEAAABkAAAAAAAAABQAAABAHwAAAAAAACYAAAAAAAAAwOD//wAAAAAmAAAAZAAAABYAAABMAAAAAAAAAAAAAAAEAAAAAAAAAAEAAACAgIAKAAAAACgAAAAoAAAAZAAAAGQAAAAAAAAAzMzMAAAAAABQAAAAUAAAAGQAAABkAAAAAAAAABcAAAAUAAAAAAAAAAAAAAD/fwAA/38AAAAAAAAJAAAABAAAAAAAAAAeAAAAaAAAAAAAAAAAAAAAAAAAAAAAAAAAAAAAECcAABAnAAAAAAAAAAAAAAAAAAAAAAAAAAAAAAAAAAAAAAAAAAAAABQAAAAAAAAAwMD/AAAAAABkAAAAMgAAAAAAAABkAAAAAAAAAH9/fwAKAAAAIgAAABgAAAAAAAAAAAAAAAAAAAAAAAAAAAAAAAAAAAAkAAAAJAAAAAAAAAAHAAAAAAAAAAAAAAAAAAAAAAAAAAAAAAAAAAAAf39/ACUAAABYAAAAAAAAAAAAAAAAAAAAAAAAAAAAAAAAAAAAAAAAAAAAAAAAAAAAAAAAAAAAAAA/AAAAAAAAAKCGAQAAAAAAAAAAAAAAAAAMAAAAAQAAAAAAAAAAAAAAAAAAAB8AAABUAAAAAAAABQAAAAEAAAAAAAAAAAAAAAAAAAAAAAAAAAAAAAAAAAAAAAAAAAAAAAJ/f38AAAAAA8zMzADAwP8Af39/AAAAAAAAAAAAAAAAAAAAAAAAAAAAIQAAABgAAAAUAAAAoRkAABsnAABfMQAAWSkAABAAAAAmAAAACAAAAAAAAAAAAAAA"/>
               </a:ext>
             </a:extLst>
           </p:cNvSpPr>
@@ -760,7 +764,7 @@
           <a:bodyPr/>
           <a:lstStyle/>
           <a:p>
-            <a:pPr/>
+            <a:endParaRPr/>
           </a:p>
         </p:txBody>
       </p:sp>
@@ -771,7 +775,7 @@
             <a:spLocks noGrp="1" noChangeArrowheads="1"/>
             <a:extLst>
               <a:ext uri="smNativeData">
-                <pr:smNativeData xmlns:pr="smNativeData" xmlns="smNativeData" val="SMDATA_15_wwJCaRMAAAAlAAAAZAAAAA8BAAAAkAAAAEgAAACQAAAASAAAAAAAAAABAAAAAAAAAAEAAABQAAAAAAAAAAAA4D8AAAAAAADgPwAAAAAAAOA/AAAAAAAA4D8AAAAAAADgPwAAAAAAAOA/AAAAAAAA4D8AAAAAAADgPwAAAAAAAOA/AAAAAAAA4D8CAAAAjAAAAAAAAAAAAAAAu+DjDP///wgAAAAAAAAAAAAAAAAAAAAAAAAAAAAAAAAAAAAAZAAAAAEAAABAAAAAAAAAAAAAAAAAAAAAAAAAAAAAAAAAAAAAAAAAAAAAAAAAAAAAAAAAAAAAAAAAAAAAAAAAAAAAAAAAAAAAAAAAAAAAAAAAAAAAAAAAAAAAAAAAAAAAFAAAADwAAAAAAAAAAAAAAAAAAAkUAAAAAQAAABQAAAAUAAAAFAAAAAEAAAAAAAAAZAAAAGQAAAAAAAAAZAAAAGQAAAAVAAAAYAAAAAAAAAAAAAAADwAAACADAAAAAAAAAAAAAAEAAACgMgAAVgcAAKr4//8BAAAAf39/AAEAAABkAAAAAAAAABQAAABAHwAAAAAAACYAAAAAAAAAwOD//wAAAAAmAAAAZAAAABYAAABMAAAAAAAAAAAAAAAEAAAAAAAAAAEAAACAgIAKAAAAACgAAAAoAAAAZAAAAGQAAAAAAAAAzMzMAAAAAABQAAAAUAAAAGQAAABkAAAAAAAAABcAAAAUAAAAAAAAAAAAAAD/fwAA/38AAAAAAAAJAAAABAAAAAAAAAAeAAAAaAAAAAAAAAAAAAAAAAAAAAAAAAAAAAAAECcAABAnAAAAAAAAAAAAAAAAAAAAAAAAAAAAAAAAAAAAAAAAAAAAABQAAAAAAAAAwMD/AAAAAABkAAAAMgAAAAAAAABkAAAAAAAAAH9/fwAKAAAAIgAAABgAAAAAAAAAAAAAAAAAAAAAAAAAAAAAAAAAAAAkAAAAJAAAAAAAAAAHAAAAAAAAAAAAAAAAAAAAAAAAAAAAAAAAAAAAf39/ACUAAABYAAAAAAAAAAAAAAAAAAAAAAAAAAAAAAAAAAAAAAAAAAAAAAAAAAAAAAAAAAAAAAA/AAAAAAAAAKCGAQAAAAAAAAAAAAAAAAAMAAAAAQAAAAAAAAAAAAAAAAAAAB8AAABUAAAAAAAABQAAAAEAAAAAAAAAAAAAAAAAAAAAAAAAAAAAAAAAAAAAAAAAAAAAAAJ/f38AAAAAA8zMzADAwP8Af39/AAAAAAAAAAAAAAAAAAAAAAAAAAAAIQAAABgAAAAUAAAAwTUAABsnAABARwAAWSkAABAAAAAmAAAACAAAAAAAAAAAAAAA"/>
+                <pr:smNativeData xmlns="smNativeData" xmlns:pr="smNativeData" xmlns:p15="http://schemas.microsoft.com/office/powerpoint/2012/main" xmlns:p14="http://schemas.microsoft.com/office/powerpoint/2010/main" xmlns:mc="http://schemas.openxmlformats.org/markup-compatibility/2006" val="SMDATA_15_wwJCaRMAAAAlAAAAZAAAAA8BAAAAkAAAAEgAAACQAAAASAAAAAAAAAABAAAAAAAAAAEAAABQAAAAAAAAAAAA4D8AAAAAAADgPwAAAAAAAOA/AAAAAAAA4D8AAAAAAADgPwAAAAAAAOA/AAAAAAAA4D8AAAAAAADgPwAAAAAAAOA/AAAAAAAA4D8CAAAAjAAAAAAAAAAAAAAAu+DjDP///wgAAAAAAAAAAAAAAAAAAAAAAAAAAAAAAAAAAAAAZAAAAAEAAABAAAAAAAAAAAAAAAAAAAAAAAAAAAAAAAAAAAAAAAAAAAAAAAAAAAAAAAAAAAAAAAAAAAAAAAAAAAAAAAAAAAAAAAAAAAAAAAAAAAAAAAAAAAAAAAAAAAAAFAAAADwAAAAAAAAAAAAAAAAAAAkUAAAAAQAAABQAAAAUAAAAFAAAAAEAAAAAAAAAZAAAAGQAAAAAAAAAZAAAAGQAAAAVAAAAYAAAAAAAAAAAAAAADwAAACADAAAAAAAAAAAAAAEAAACgMgAAVgcAAKr4//8BAAAAf39/AAEAAABkAAAAAAAAABQAAABAHwAAAAAAACYAAAAAAAAAwOD//wAAAAAmAAAAZAAAABYAAABMAAAAAAAAAAAAAAAEAAAAAAAAAAEAAACAgIAKAAAAACgAAAAoAAAAZAAAAGQAAAAAAAAAzMzMAAAAAABQAAAAUAAAAGQAAABkAAAAAAAAABcAAAAUAAAAAAAAAAAAAAD/fwAA/38AAAAAAAAJAAAABAAAAAAAAAAeAAAAaAAAAAAAAAAAAAAAAAAAAAAAAAAAAAAAECcAABAnAAAAAAAAAAAAAAAAAAAAAAAAAAAAAAAAAAAAAAAAAAAAABQAAAAAAAAAwMD/AAAAAABkAAAAMgAAAAAAAABkAAAAAAAAAH9/fwAKAAAAIgAAABgAAAAAAAAAAAAAAAAAAAAAAAAAAAAAAAAAAAAkAAAAJAAAAAAAAAAHAAAAAAAAAAAAAAAAAAAAAAAAAAAAAAAAAAAAf39/ACUAAABYAAAAAAAAAAAAAAAAAAAAAAAAAAAAAAAAAAAAAAAAAAAAAAAAAAAAAAAAAAAAAAA/AAAAAAAAAKCGAQAAAAAAAAAAAAAAAAAMAAAAAQAAAAAAAAAAAAAAAAAAAB8AAABUAAAAAAAABQAAAAEAAAAAAAAAAAAAAAAAAAAAAAAAAAAAAAAAAAAAAAAAAAAAAAJ/f38AAAAAA8zMzADAwP8Af39/AAAAAAAAAAAAAAAAAAAAAAAAAAAAIQAAABgAAAAUAAAAwTUAABsnAABARwAAWSkAABAAAAAmAAAACAAAAAAAAAAAAAAA"/>
               </a:ext>
             </a:extLst>
           </p:cNvSpPr>
@@ -784,10 +788,10 @@
           <a:bodyPr/>
           <a:lstStyle/>
           <a:p>
-            <a:pPr/>
             <a:fld id="{2B3A0CB7-F9C6-6FFA-8882-0FAF42CC7E5A}" type="slidenum">
-              <a:t/>
+              <a:t>‹#›</a:t>
             </a:fld>
+            <a:endParaRPr/>
           </a:p>
         </p:txBody>
       </p:sp>
@@ -801,7 +805,7 @@
 </file>
 
 <file path=ppt/slideLayouts/slideLayout2.xml><?xml version="1.0" encoding="utf-8"?>
-<p:sldLayout xmlns:p="http://schemas.openxmlformats.org/presentationml/2006/main" xmlns:mc="http://schemas.openxmlformats.org/markup-compatibility/2006" xmlns:p14="http://schemas.microsoft.com/office/powerpoint/2010/main" xmlns:p15="http://schemas.microsoft.com/office/powerpoint/2012/main" xmlns:r="http://schemas.openxmlformats.org/officeDocument/2006/relationships" xmlns:a="http://schemas.openxmlformats.org/drawingml/2006/main" type="tx">
+<p:sldLayout xmlns:a="http://schemas.openxmlformats.org/drawingml/2006/main" xmlns:r="http://schemas.openxmlformats.org/officeDocument/2006/relationships" xmlns:p="http://schemas.openxmlformats.org/presentationml/2006/main" type="tx">
   <p:cSld name="Title and content">
     <p:spTree>
       <p:nvGrpSpPr>
@@ -824,7 +828,7 @@
             <a:spLocks noGrp="1" noChangeArrowheads="1"/>
             <a:extLst>
               <a:ext uri="smNativeData">
-                <pr:smNativeData xmlns:pr="smNativeData" xmlns="smNativeData" val="SMDATA_15_wwJCaRMAAAAlAAAAZAAAAA8BAAAAkAAAAEgAAACQAAAASAAAAAAAAAABAAAAAAAAAAEAAABQAAAAAAAAAAAA4D8AAAAAAADgPwAAAAAAAOA/AAAAAAAA4D8AAAAAAADgPwAAAAAAAOA/AAAAAAAA4D8AAAAAAADgPwAAAAAAAOA/AAAAAAAA4D8CAAAAjAAAAAAAAAAAAAAAu+DjDP///wgAAAAAAAAAAAAAAAAAAAAAAAAAAAAAAAAAAAAAZAAAAAEAAABAAAAAAAAAAAAAAAAAAAAAAAAAAAAAAAAAAAAAAAAAAAAAAAAAAAAAAAAAAAAAAAAAAAAAAAAAAAAAAAAAAAAAAAAAAAAAAAAAAAAAAAAAAAAAAAAAAAAAFAAAADwAAAAAAAAAAAAAAAAAAAkUAAAAAQAAABQAAAAUAAAAFAAAAAEAAAAAAAAAZAAAAGQAAAAAAAAAZAAAAGQAAAAVAAAAYAAAAAAAAAAAAAAADwAAACADAAAAAAAAAAAAAAEAAACgMgAAVgcAAKr4//8BAAAAf39/AAEAAABkAAAAAAAAABQAAABAHwAAAAAAACYAAAAAAAAAwOD//wAAAAAmAAAAZAAAABYAAABMAAAAAAAAAAAAAAAEAAAAAAAAAAEAAACAgIAKAAAAACgAAAAoAAAAZAAAAGQAAAAAAAAAzMzMAAAAAABQAAAAUAAAAGQAAABkAAAAAAAAABcAAAAUAAAAAAAAAAAAAAD/fwAA/38AAAAAAAAJAAAABAAAAAAAAAAeAAAAaAAAAAAAAAAAAAAAAAAAAAAAAAAAAAAAECcAABAnAAAAAAAAAAAAAAAAAAAAAAAAAAAAAAAAAAAAAAAAAAAAABQAAAAAAAAAwMD/AAAAAABkAAAAMgAAAAAAAABkAAAAAAAAAH9/fwAKAAAAIgAAABgAAAAAAAAAAAAAAAAAAAAAAAAAAAAAAAAAAAAkAAAAJAAAAAAAAAAHAAAAAAAAAAAAAAAAAAAAAAAAAAAAAAAAAAAAf39/ACUAAABYAAAAAAAAAAAAAAAAAAAAAAAAAAAAAAAAAAAAAAAAAAAAAAAAAAAAAAAAAAAAAAA/AAAAAAAAAKCGAQAAAAAAAAAAAAAAAAAMAAAAAQAAAAAAAAAAAAAAAAAAAB8AAABUAAAAAAAABQAAAAEAAAAAAAAAAAAAAAAAAAAAAAAAAAAAAAAAAAAAAAAAAAAAAAJ/f38AAAAAA8zMzADAwP8Af39/AAAAAAAAAAAAAAAAAAAAAAAAAAAAIQAAABgAAAAUAAAAwAMAALABAABARwAAuAgAABAAAAAmAAAACAAAAAAAAAAAAAAA"/>
+                <pr:smNativeData xmlns="smNativeData" xmlns:pr="smNativeData" xmlns:p15="http://schemas.microsoft.com/office/powerpoint/2012/main" xmlns:p14="http://schemas.microsoft.com/office/powerpoint/2010/main" xmlns:mc="http://schemas.openxmlformats.org/markup-compatibility/2006" val="SMDATA_15_wwJCaRMAAAAlAAAAZAAAAA8BAAAAkAAAAEgAAACQAAAASAAAAAAAAAABAAAAAAAAAAEAAABQAAAAAAAAAAAA4D8AAAAAAADgPwAAAAAAAOA/AAAAAAAA4D8AAAAAAADgPwAAAAAAAOA/AAAAAAAA4D8AAAAAAADgPwAAAAAAAOA/AAAAAAAA4D8CAAAAjAAAAAAAAAAAAAAAu+DjDP///wgAAAAAAAAAAAAAAAAAAAAAAAAAAAAAAAAAAAAAZAAAAAEAAABAAAAAAAAAAAAAAAAAAAAAAAAAAAAAAAAAAAAAAAAAAAAAAAAAAAAAAAAAAAAAAAAAAAAAAAAAAAAAAAAAAAAAAAAAAAAAAAAAAAAAAAAAAAAAAAAAAAAAFAAAADwAAAAAAAAAAAAAAAAAAAkUAAAAAQAAABQAAAAUAAAAFAAAAAEAAAAAAAAAZAAAAGQAAAAAAAAAZAAAAGQAAAAVAAAAYAAAAAAAAAAAAAAADwAAACADAAAAAAAAAAAAAAEAAACgMgAAVgcAAKr4//8BAAAAf39/AAEAAABkAAAAAAAAABQAAABAHwAAAAAAACYAAAAAAAAAwOD//wAAAAAmAAAAZAAAABYAAABMAAAAAAAAAAAAAAAEAAAAAAAAAAEAAACAgIAKAAAAACgAAAAoAAAAZAAAAGQAAAAAAAAAzMzMAAAAAABQAAAAUAAAAGQAAABkAAAAAAAAABcAAAAUAAAAAAAAAAAAAAD/fwAA/38AAAAAAAAJAAAABAAAAAAAAAAeAAAAaAAAAAAAAAAAAAAAAAAAAAAAAAAAAAAAECcAABAnAAAAAAAAAAAAAAAAAAAAAAAAAAAAAAAAAAAAAAAAAAAAABQAAAAAAAAAwMD/AAAAAABkAAAAMgAAAAAAAABkAAAAAAAAAH9/fwAKAAAAIgAAABgAAAAAAAAAAAAAAAAAAAAAAAAAAAAAAAAAAAAkAAAAJAAAAAAAAAAHAAAAAAAAAAAAAAAAAAAAAAAAAAAAAAAAAAAAf39/ACUAAABYAAAAAAAAAAAAAAAAAAAAAAAAAAAAAAAAAAAAAAAAAAAAAAAAAAAAAAAAAAAAAAA/AAAAAAAAAKCGAQAAAAAAAAAAAAAAAAAMAAAAAQAAAAAAAAAAAAAAAAAAAB8AAABUAAAAAAAABQAAAAEAAAAAAAAAAAAAAAAAAAAAAAAAAAAAAAAAAAAAAAAAAAAAAAJ/f38AAAAAA8zMzADAwP8Af39/AAAAAAAAAAAAAAAAAAAAAAAAAAAAIQAAABgAAAAUAAAAwAMAALABAABARwAAuAgAABAAAAAmAAAACAAAAAAAAAAAAAAA"/>
               </a:ext>
             </a:extLst>
           </p:cNvSpPr>
@@ -837,7 +841,6 @@
           <a:bodyPr/>
           <a:lstStyle/>
           <a:p>
-            <a:pPr/>
             <a:r>
               <a:t>Click to edit Master title style</a:t>
             </a:r>
@@ -851,7 +854,7 @@
             <a:spLocks noGrp="1" noChangeArrowheads="1"/>
             <a:extLst>
               <a:ext uri="smNativeData">
-                <pr:smNativeData xmlns:pr="smNativeData" xmlns="smNativeData" val="SMDATA_15_wwJCaRMAAAAlAAAAZAAAAA8BAAAAkAAAAEgAAACQAAAASAAAAAAAAAAAAAAAAAAAAAEAAABQAAAAAAAAAAAA4D8AAAAAAADgPwAAAAAAAOA/AAAAAAAA4D8AAAAAAADgPwAAAAAAAOA/AAAAAAAA4D8AAAAAAADgPwAAAAAAAOA/AAAAAAAA4D8CAAAAjAAAAAAAAAAAAAAAu+DjDP///wgAAAAAAAAAAAAAAAAAAAAAAAAAAAAAAAAAAAAAZAAAAAEAAABAAAAAAAAAAAAAAAAAAAAAAAAAAAAAAAAAAAAAAAAAAAAAAAAAAAAAAAAAAAAAAAAAAAAAAAAAAAAAAAAAAAAAAAAAAAAAAAAAAAAAAAAAAAAAAAAAAAAAFAAAADwAAAAAAAAAAAAAAAAAAAkUAAAAAQAAABQAAAAUAAAAFAAAAAEAAAAAAAAAZAAAAGQAAAAAAAAAZAAAAGQAAAAVAAAAYAAAAAAAAAAAAAAADwAAACADAAAAAAAAAAAAAAEAAACgMgAAVgcAAKr4//8BAAAAf39/AAEAAABkAAAAAAAAABQAAABAHwAAAAAAACYAAAAAAAAAwOD//wAAAAAmAAAAZAAAABYAAABMAAAAAAAAAAAAAAAEAAAAAAAAAAEAAACAgIAKAAAAACgAAAAoAAAAZAAAAGQAAAAAAAAAzMzMAAAAAABQAAAAUAAAAGQAAABkAAAAAAAAABcAAAAUAAAAAAAAAAAAAAD/fwAA/38AAAAAAAAJAAAABAAAAAAAAAAeAAAAaAAAAAAAAAAAAAAAAAAAAAAAAAAAAAAAECcAABAnAAAAAAAAAAAAAAAAAAAAAAAAAAAAAAAAAAAAAAAAAAAAABQAAAAAAAAAwMD/AAAAAABkAAAAMgAAAAAAAABkAAAAAAAAAH9/fwAKAAAAIgAAABgAAAAAAAAAAAAAAAAAAAAAAAAAAAAAAAAAAAAkAAAAJAAAAAAAAAAHAAAAAAAAAAAAAAAAAAAAAAAAAAAAAAAAAAAAf39/ACUAAABYAAAAAAAAAAAAAAAAAAAAAAAAAAAAAAAAAAAAAAAAAAAAAAAAAAAAAAAAAAAAAAA/AAAAAAAAAKCGAQAAAAAAAAAAAAAAAAAMAAAAAQAAAAAAAAAAAAAAAAAAAB8AAABUAAAAAAAABQAAAAEAAAAAAAAAAAAAAAAAAAAAAAAAAAAAAAAAAAAAAAAAAAAAAAJ/f38AAAAAA8zMzADAwP8Af39/AAAAAAAAAAAAAAAAAAAAAAAAAAAAIQAAABgAAAAUAAAAwAMAANgJAABARwAAsCUAABAAAAAmAAAACAAAAAAAAAAAAAAA"/>
+                <pr:smNativeData xmlns="smNativeData" xmlns:pr="smNativeData" xmlns:p15="http://schemas.microsoft.com/office/powerpoint/2012/main" xmlns:p14="http://schemas.microsoft.com/office/powerpoint/2010/main" xmlns:mc="http://schemas.openxmlformats.org/markup-compatibility/2006" val="SMDATA_15_wwJCaRMAAAAlAAAAZAAAAA8BAAAAkAAAAEgAAACQAAAASAAAAAAAAAAAAAAAAAAAAAEAAABQAAAAAAAAAAAA4D8AAAAAAADgPwAAAAAAAOA/AAAAAAAA4D8AAAAAAADgPwAAAAAAAOA/AAAAAAAA4D8AAAAAAADgPwAAAAAAAOA/AAAAAAAA4D8CAAAAjAAAAAAAAAAAAAAAu+DjDP///wgAAAAAAAAAAAAAAAAAAAAAAAAAAAAAAAAAAAAAZAAAAAEAAABAAAAAAAAAAAAAAAAAAAAAAAAAAAAAAAAAAAAAAAAAAAAAAAAAAAAAAAAAAAAAAAAAAAAAAAAAAAAAAAAAAAAAAAAAAAAAAAAAAAAAAAAAAAAAAAAAAAAAFAAAADwAAAAAAAAAAAAAAAAAAAkUAAAAAQAAABQAAAAUAAAAFAAAAAEAAAAAAAAAZAAAAGQAAAAAAAAAZAAAAGQAAAAVAAAAYAAAAAAAAAAAAAAADwAAACADAAAAAAAAAAAAAAEAAACgMgAAVgcAAKr4//8BAAAAf39/AAEAAABkAAAAAAAAABQAAABAHwAAAAAAACYAAAAAAAAAwOD//wAAAAAmAAAAZAAAABYAAABMAAAAAAAAAAAAAAAEAAAAAAAAAAEAAACAgIAKAAAAACgAAAAoAAAAZAAAAGQAAAAAAAAAzMzMAAAAAABQAAAAUAAAAGQAAABkAAAAAAAAABcAAAAUAAAAAAAAAAAAAAD/fwAA/38AAAAAAAAJAAAABAAAAAAAAAAeAAAAaAAAAAAAAAAAAAAAAAAAAAAAAAAAAAAAECcAABAnAAAAAAAAAAAAAAAAAAAAAAAAAAAAAAAAAAAAAAAAAAAAABQAAAAAAAAAwMD/AAAAAABkAAAAMgAAAAAAAABkAAAAAAAAAH9/fwAKAAAAIgAAABgAAAAAAAAAAAAAAAAAAAAAAAAAAAAAAAAAAAAkAAAAJAAAAAAAAAAHAAAAAAAAAAAAAAAAAAAAAAAAAAAAAAAAAAAAf39/ACUAAABYAAAAAAAAAAAAAAAAAAAAAAAAAAAAAAAAAAAAAAAAAAAAAAAAAAAAAAAAAAAAAAA/AAAAAAAAAKCGAQAAAAAAAAAAAAAAAAAMAAAAAQAAAAAAAAAAAAAAAAAAAB8AAABUAAAAAAAABQAAAAEAAAAAAAAAAAAAAAAAAAAAAAAAAAAAAAAAAAAAAAAAAAAAAAJ/f38AAAAAA8zMzADAwP8Af39/AAAAAAAAAAAAAAAAAAAAAAAAAAAAIQAAABgAAAAUAAAAwAMAANgJAABARwAAsCUAABAAAAAmAAAACAAAAAAAAAAAAAAA"/>
               </a:ext>
             </a:extLst>
           </p:cNvSpPr>
@@ -864,7 +867,6 @@
           <a:bodyPr/>
           <a:lstStyle/>
           <a:p>
-            <a:pPr/>
             <a:r>
               <a:t>Click to edit Master text styles</a:t>
             </a:r>
@@ -902,7 +904,7 @@
             <a:spLocks noGrp="1" noChangeArrowheads="1"/>
             <a:extLst>
               <a:ext uri="smNativeData">
-                <pr:smNativeData xmlns:pr="smNativeData" xmlns="smNativeData" val="SMDATA_15_wwJCaRMAAAAlAAAAZAAAAA8BAAAAkAAAAEgAAACQAAAASAAAAAAAAAABAAAAAAAAAAEAAABQAAAAAAAAAAAA4D8AAAAAAADgPwAAAAAAAOA/AAAAAAAA4D8AAAAAAADgPwAAAAAAAOA/AAAAAAAA4D8AAAAAAADgPwAAAAAAAOA/AAAAAAAA4D8CAAAAjAAAAAAAAAAAAAAAu+DjDP///wgAAAAAAAAAAAAAAAAAAAAAAAAAAAAAAAAAAAAAZAAAAAEAAABAAAAAAAAAAAAAAAAAAAAAAAAAAAAAAAAAAAAAAAAAAAAAAAAAAAAAAAAAAAAAAAAAAAAAAAAAAAAAAAAAAAAAAAAAAAAAAAAAAAAAAAAAAAAAAAAAAAAAFAAAADwAAAAAAAAAAAAAAAAAAAkUAAAAAQAAABQAAAAUAAAAFAAAAAEAAAAAAAAAZAAAAGQAAAAAAAAAZAAAAGQAAAAVAAAAYAAAAAAAAAAAAAAADwAAACADAAAAAAAAAAAAAAEAAACgMgAAVgcAAKr4//8BAAAAf39/AAEAAABkAAAAAAAAABQAAABAHwAAAAAAACYAAAAAAAAAwOD//wAAAAAmAAAAZAAAABYAAABMAAAAAAAAAAAAAAAEAAAAAAAAAAEAAACAgIAKAAAAACgAAAAoAAAAZAAAAGQAAAAAAAAAzMzMAAAAAABQAAAAUAAAAGQAAABkAAAAAAAAABcAAAAUAAAAAAAAAAAAAAD/fwAA/38AAAAAAAAJAAAABAAAANw7IAEeAAAAaAAAAAAAAAAAAAAAAAAAAAAAAAAAAAAAECcAABAnAAAAAAAAAAAAAAAAAAAAAAAAAAAAAAAAAAAAAAAAAAAAABQAAAAAAAAAwMD/AAAAAABkAAAAMgAAAAAAAABkAAAAAAAAAH9/fwAKAAAAIgAAABgAAAAAAAAAAAAAAAAAAAAAAAAAAAAAAAAAAAAkAAAAJAAAAAAAAAAHAAAAAAAAAAAAAAAAAAAAAAAAAAAAAAAAAAAAf39/ACUAAABYAAAAAAAAAAAAAAAAAAAAAAAAAAAAAAAAAAAAAAAAAAAAAAAAAAAAAAAAAAAAAAA/AAAAAAAAAKCGAQAAAAAAAAAAAAAAAAAMAAAAAQAAAAAAAAAAAAAAAAAAAB8AAABUAAAAAAAABQAAAAEAAAAAAAAAAAAAAAAAAAAAAAAAAAAAAAAAAAAAAAAAAAAAAAJ/f38AAAAAA8zMzADAwP8Af39/AAAAAAAAAAAAAAAAAAAAAAAAAAAAIQAAABgAAAAUAAAAwAMAABsnAAA/FQAAWSkAABAAAAAmAAAACAAAAAAAAAAAAAAA"/>
+                <pr:smNativeData xmlns="smNativeData" xmlns:pr="smNativeData" xmlns:p15="http://schemas.microsoft.com/office/powerpoint/2012/main" xmlns:p14="http://schemas.microsoft.com/office/powerpoint/2010/main" xmlns:mc="http://schemas.openxmlformats.org/markup-compatibility/2006" val="SMDATA_15_wwJCaRMAAAAlAAAAZAAAAA8BAAAAkAAAAEgAAACQAAAASAAAAAAAAAABAAAAAAAAAAEAAABQAAAAAAAAAAAA4D8AAAAAAADgPwAAAAAAAOA/AAAAAAAA4D8AAAAAAADgPwAAAAAAAOA/AAAAAAAA4D8AAAAAAADgPwAAAAAAAOA/AAAAAAAA4D8CAAAAjAAAAAAAAAAAAAAAu+DjDP///wgAAAAAAAAAAAAAAAAAAAAAAAAAAAAAAAAAAAAAZAAAAAEAAABAAAAAAAAAAAAAAAAAAAAAAAAAAAAAAAAAAAAAAAAAAAAAAAAAAAAAAAAAAAAAAAAAAAAAAAAAAAAAAAAAAAAAAAAAAAAAAAAAAAAAAAAAAAAAAAAAAAAAFAAAADwAAAAAAAAAAAAAAAAAAAkUAAAAAQAAABQAAAAUAAAAFAAAAAEAAAAAAAAAZAAAAGQAAAAAAAAAZAAAAGQAAAAVAAAAYAAAAAAAAAAAAAAADwAAACADAAAAAAAAAAAAAAEAAACgMgAAVgcAAKr4//8BAAAAf39/AAEAAABkAAAAAAAAABQAAABAHwAAAAAAACYAAAAAAAAAwOD//wAAAAAmAAAAZAAAABYAAABMAAAAAAAAAAAAAAAEAAAAAAAAAAEAAACAgIAKAAAAACgAAAAoAAAAZAAAAGQAAAAAAAAAzMzMAAAAAABQAAAAUAAAAGQAAABkAAAAAAAAABcAAAAUAAAAAAAAAAAAAAD/fwAA/38AAAAAAAAJAAAABAAAANw7IAEeAAAAaAAAAAAAAAAAAAAAAAAAAAAAAAAAAAAAECcAABAnAAAAAAAAAAAAAAAAAAAAAAAAAAAAAAAAAAAAAAAAAAAAABQAAAAAAAAAwMD/AAAAAABkAAAAMgAAAAAAAABkAAAAAAAAAH9/fwAKAAAAIgAAABgAAAAAAAAAAAAAAAAAAAAAAAAAAAAAAAAAAAAkAAAAJAAAAAAAAAAHAAAAAAAAAAAAAAAAAAAAAAAAAAAAAAAAAAAAf39/ACUAAABYAAAAAAAAAAAAAAAAAAAAAAAAAAAAAAAAAAAAAAAAAAAAAAAAAAAAAAAAAAAAAAA/AAAAAAAAAKCGAQAAAAAAAAAAAAAAAAAMAAAAAQAAAAAAAAAAAAAAAAAAAB8AAABUAAAAAAAABQAAAAEAAAAAAAAAAAAAAAAAAAAAAAAAAAAAAAAAAAAAAAAAAAAAAAJ/f38AAAAAA8zMzADAwP8Af39/AAAAAAAAAAAAAAAAAAAAAAAAAAAAIQAAABgAAAAUAAAAwAMAABsnAAA/FQAAWSkAABAAAAAmAAAACAAAAAAAAAAAAAAA"/>
               </a:ext>
             </a:extLst>
           </p:cNvSpPr>
@@ -915,10 +917,10 @@
           <a:bodyPr/>
           <a:lstStyle/>
           <a:p>
-            <a:pPr/>
             <a:fld id="{2B3A5CD1-9FC6-6FAA-8882-69FF12CC7E3C}" type="datetime1">
-              <a:t/>
+              <a:t>12/16/2025</a:t>
             </a:fld>
+            <a:endParaRPr/>
           </a:p>
         </p:txBody>
       </p:sp>
@@ -929,7 +931,7 @@
             <a:spLocks noGrp="1" noChangeArrowheads="1"/>
             <a:extLst>
               <a:ext uri="smNativeData">
-                <pr:smNativeData xmlns:pr="smNativeData" xmlns="smNativeData" val="SMDATA_15_wwJCaRMAAAAlAAAAZAAAAA8BAAAAkAAAAEgAAACQAAAASAAAAAAAAAABAAAAAAAAAAEAAABQAAAAAAAAAAAA4D8AAAAAAADgPwAAAAAAAOA/AAAAAAAA4D8AAAAAAADgPwAAAAAAAOA/AAAAAAAA4D8AAAAAAADgPwAAAAAAAOA/AAAAAAAA4D8CAAAAjAAAAAAAAAAAAAAAu+DjDP///wgAAAAAAAAAAAAAAAAAAAAAAAAAAAAAAAAAAAAAZAAAAAEAAABAAAAAAAAAAAAAAAAAAAAAAAAAAAAAAAAAAAAAAAAAAAAAAAAAAAAAAAAAAAAAAAAAAAAAAAAAAAAAAAAAAAAAAAAAAAAAAAAAAAAAAAAAAAAAAAAAAAAAFAAAADwAAAAAAAAAAAAAAAAAAAkUAAAAAQAAABQAAAAUAAAAFAAAAAEAAAAAAAAAZAAAAGQAAAAAAAAAZAAAAGQAAAAVAAAAYAAAAAAAAAAAAAAADwAAACADAAAAAAAAAAAAAAEAAACgMgAAVgcAAKr4//8BAAAAf39/AAEAAABkAAAAAAAAABQAAABAHwAAAAAAACYAAAAAAAAAwOD//wAAAAAmAAAAZAAAABYAAABMAAAAAAAAAAAAAAAEAAAAAAAAAAEAAACAgIAKAAAAACgAAAAoAAAAZAAAAGQAAAAAAAAAzMzMAAAAAABQAAAAUAAAAGQAAABkAAAAAAAAABcAAAAUAAAAAAAAAAAAAAD/fwAA/38AAAAAAAAJAAAABAAAANw7IAEeAAAAaAAAAAAAAAAAAAAAAAAAAAAAAAAAAAAAECcAABAnAAAAAAAAAAAAAAAAAAAAAAAAAAAAAAAAAAAAAAAAAAAAABQAAAAAAAAAwMD/AAAAAABkAAAAMgAAAAAAAABkAAAAAAAAAH9/fwAKAAAAIgAAABgAAAAAAAAAAAAAAAAAAAAAAAAAAAAAAAAAAAAkAAAAJAAAAAAAAAAHAAAAAAAAAAAAAAAAAAAAAAAAAAAAAAAAAAAAf39/ACUAAABYAAAAAAAAAAAAAAAAAAAAAAAAAAAAAAAAAAAAAAAAAAAAAAAAAAAAAAAAAAAAAAA/AAAAAAAAAKCGAQAAAAAAAAAAAAAAAAAMAAAAAQAAAAAAAAAAAAAAAAAAAB8AAABUAAAAAAAABQAAAAEAAAAAAAAAAAAAAAAAAAAAAAAAAAAAAAAAAAAAAAAAAAAAAAJ/f38AAAAAA8zMzADAwP8Af39/AAAAAAAAAAAAAAAAAAAAAAAAAAAAIQAAABgAAAAUAAAAoRkAABsnAABfMQAAWSkAABAAAAAmAAAACAAAAAAAAAAAAAAA"/>
+                <pr:smNativeData xmlns="smNativeData" xmlns:pr="smNativeData" xmlns:p15="http://schemas.microsoft.com/office/powerpoint/2012/main" xmlns:p14="http://schemas.microsoft.com/office/powerpoint/2010/main" xmlns:mc="http://schemas.openxmlformats.org/markup-compatibility/2006" val="SMDATA_15_wwJCaRMAAAAlAAAAZAAAAA8BAAAAkAAAAEgAAACQAAAASAAAAAAAAAABAAAAAAAAAAEAAABQAAAAAAAAAAAA4D8AAAAAAADgPwAAAAAAAOA/AAAAAAAA4D8AAAAAAADgPwAAAAAAAOA/AAAAAAAA4D8AAAAAAADgPwAAAAAAAOA/AAAAAAAA4D8CAAAAjAAAAAAAAAAAAAAAu+DjDP///wgAAAAAAAAAAAAAAAAAAAAAAAAAAAAAAAAAAAAAZAAAAAEAAABAAAAAAAAAAAAAAAAAAAAAAAAAAAAAAAAAAAAAAAAAAAAAAAAAAAAAAAAAAAAAAAAAAAAAAAAAAAAAAAAAAAAAAAAAAAAAAAAAAAAAAAAAAAAAAAAAAAAAFAAAADwAAAAAAAAAAAAAAAAAAAkUAAAAAQAAABQAAAAUAAAAFAAAAAEAAAAAAAAAZAAAAGQAAAAAAAAAZAAAAGQAAAAVAAAAYAAAAAAAAAAAAAAADwAAACADAAAAAAAAAAAAAAEAAACgMgAAVgcAAKr4//8BAAAAf39/AAEAAABkAAAAAAAAABQAAABAHwAAAAAAACYAAAAAAAAAwOD//wAAAAAmAAAAZAAAABYAAABMAAAAAAAAAAAAAAAEAAAAAAAAAAEAAACAgIAKAAAAACgAAAAoAAAAZAAAAGQAAAAAAAAAzMzMAAAAAABQAAAAUAAAAGQAAABkAAAAAAAAABcAAAAUAAAAAAAAAAAAAAD/fwAA/38AAAAAAAAJAAAABAAAANw7IAEeAAAAaAAAAAAAAAAAAAAAAAAAAAAAAAAAAAAAECcAABAnAAAAAAAAAAAAAAAAAAAAAAAAAAAAAAAAAAAAAAAAAAAAABQAAAAAAAAAwMD/AAAAAABkAAAAMgAAAAAAAABkAAAAAAAAAH9/fwAKAAAAIgAAABgAAAAAAAAAAAAAAAAAAAAAAAAAAAAAAAAAAAAkAAAAJAAAAAAAAAAHAAAAAAAAAAAAAAAAAAAAAAAAAAAAAAAAAAAAf39/ACUAAABYAAAAAAAAAAAAAAAAAAAAAAAAAAAAAAAAAAAAAAAAAAAAAAAAAAAAAAAAAAAAAAA/AAAAAAAAAKCGAQAAAAAAAAAAAAAAAAAMAAAAAQAAAAAAAAAAAAAAAAAAAB8AAABUAAAAAAAABQAAAAEAAAAAAAAAAAAAAAAAAAAAAAAAAAAAAAAAAAAAAAAAAAAAAAJ/f38AAAAAA8zMzADAwP8Af39/AAAAAAAAAAAAAAAAAAAAAAAAAAAAIQAAABgAAAAUAAAAoRkAABsnAABfMQAAWSkAABAAAAAmAAAACAAAAAAAAAAAAAAA"/>
               </a:ext>
             </a:extLst>
           </p:cNvSpPr>
@@ -942,7 +944,7 @@
           <a:bodyPr/>
           <a:lstStyle/>
           <a:p>
-            <a:pPr/>
+            <a:endParaRPr/>
           </a:p>
         </p:txBody>
       </p:sp>
@@ -953,7 +955,7 @@
             <a:spLocks noGrp="1" noChangeArrowheads="1"/>
             <a:extLst>
               <a:ext uri="smNativeData">
-                <pr:smNativeData xmlns:pr="smNativeData" xmlns="smNativeData" val="SMDATA_15_wwJCaRMAAAAlAAAAZAAAAA8BAAAAkAAAAEgAAACQAAAASAAAAAAAAAABAAAAAAAAAAEAAABQAAAAAAAAAAAA4D8AAAAAAADgPwAAAAAAAOA/AAAAAAAA4D8AAAAAAADgPwAAAAAAAOA/AAAAAAAA4D8AAAAAAADgPwAAAAAAAOA/AAAAAAAA4D8CAAAAjAAAAAAAAAAAAAAAu+DjDP///wgAAAAAAAAAAAAAAAAAAAAAAAAAAAAAAAAAAAAAZAAAAAEAAABAAAAAAAAAAAAAAAAAAAAAAAAAAAAAAAAAAAAAAAAAAAAAAAAAAAAAAAAAAAAAAAAAAAAAAAAAAAAAAAAAAAAAAAAAAAAAAAAAAAAAAAAAAAAAAAAAAAAAFAAAADwAAAAAAAAAAAAAAAAAAAkUAAAAAQAAABQAAAAUAAAAFAAAAAEAAAAAAAAAZAAAAGQAAAAAAAAAZAAAAGQAAAAVAAAAYAAAAAAAAAAAAAAADwAAACADAAAAAAAAAAAAAAEAAACgMgAAVgcAAKr4//8BAAAAf39/AAEAAABkAAAAAAAAABQAAABAHwAAAAAAACYAAAAAAAAAwOD//wAAAAAmAAAAZAAAABYAAABMAAAAAAAAAAAAAAAEAAAAAAAAAAEAAACAgIAKAAAAACgAAAAoAAAAZAAAAGQAAAAAAAAAzMzMAAAAAABQAAAAUAAAAGQAAABkAAAAAAAAABcAAAAUAAAAAAAAAAAAAAD/fwAA/38AAAAAAAAJAAAABAAAAAAAAAAeAAAAaAAAAAAAAAAAAAAAAAAAAAAAAAAAAAAAECcAABAnAAAAAAAAAAAAAAAAAAAAAAAAAAAAAAAAAAAAAAAAAAAAABQAAAAAAAAAwMD/AAAAAABkAAAAMgAAAAAAAABkAAAAAAAAAH9/fwAKAAAAIgAAABgAAAAAAAAAAAAAAAAAAAAAAAAAAAAAAAAAAAAkAAAAJAAAAAAAAAAHAAAAAAAAAAAAAAAAAAAAAAAAAAAAAAAAAAAAf39/ACUAAABYAAAAAAAAAAAAAAAAAAAAAAAAAAAAAAAAAAAAAAAAAAAAAAAAAAAAAAAAAAAAAAA/AAAAAAAAAKCGAQAAAAAAAAAAAAAAAAAMAAAAAQAAAAAAAAAAAAAAAAAAAB8AAABUAAAAAAAABQAAAAEAAAAAAAAAAAAAAAAAAAAAAAAAAAAAAAAAAAAAAAAAAAAAAAJ/f38AAAAAA8zMzADAwP8Af39/AAAAAAAAAAAAAAAAAAAAAAAAAAAAIQAAABgAAAAUAAAAwTUAABsnAABARwAAWSkAABAAAAAmAAAACAAAAAAAAAAAAAAA"/>
+                <pr:smNativeData xmlns="smNativeData" xmlns:pr="smNativeData" xmlns:p15="http://schemas.microsoft.com/office/powerpoint/2012/main" xmlns:p14="http://schemas.microsoft.com/office/powerpoint/2010/main" xmlns:mc="http://schemas.openxmlformats.org/markup-compatibility/2006" val="SMDATA_15_wwJCaRMAAAAlAAAAZAAAAA8BAAAAkAAAAEgAAACQAAAASAAAAAAAAAABAAAAAAAAAAEAAABQAAAAAAAAAAAA4D8AAAAAAADgPwAAAAAAAOA/AAAAAAAA4D8AAAAAAADgPwAAAAAAAOA/AAAAAAAA4D8AAAAAAADgPwAAAAAAAOA/AAAAAAAA4D8CAAAAjAAAAAAAAAAAAAAAu+DjDP///wgAAAAAAAAAAAAAAAAAAAAAAAAAAAAAAAAAAAAAZAAAAAEAAABAAAAAAAAAAAAAAAAAAAAAAAAAAAAAAAAAAAAAAAAAAAAAAAAAAAAAAAAAAAAAAAAAAAAAAAAAAAAAAAAAAAAAAAAAAAAAAAAAAAAAAAAAAAAAAAAAAAAAFAAAADwAAAAAAAAAAAAAAAAAAAkUAAAAAQAAABQAAAAUAAAAFAAAAAEAAAAAAAAAZAAAAGQAAAAAAAAAZAAAAGQAAAAVAAAAYAAAAAAAAAAAAAAADwAAACADAAAAAAAAAAAAAAEAAACgMgAAVgcAAKr4//8BAAAAf39/AAEAAABkAAAAAAAAABQAAABAHwAAAAAAACYAAAAAAAAAwOD//wAAAAAmAAAAZAAAABYAAABMAAAAAAAAAAAAAAAEAAAAAAAAAAEAAACAgIAKAAAAACgAAAAoAAAAZAAAAGQAAAAAAAAAzMzMAAAAAABQAAAAUAAAAGQAAABkAAAAAAAAABcAAAAUAAAAAAAAAAAAAAD/fwAA/38AAAAAAAAJAAAABAAAAAAAAAAeAAAAaAAAAAAAAAAAAAAAAAAAAAAAAAAAAAAAECcAABAnAAAAAAAAAAAAAAAAAAAAAAAAAAAAAAAAAAAAAAAAAAAAABQAAAAAAAAAwMD/AAAAAABkAAAAMgAAAAAAAABkAAAAAAAAAH9/fwAKAAAAIgAAABgAAAAAAAAAAAAAAAAAAAAAAAAAAAAAAAAAAAAkAAAAJAAAAAAAAAAHAAAAAAAAAAAAAAAAAAAAAAAAAAAAAAAAAAAAf39/ACUAAABYAAAAAAAAAAAAAAAAAAAAAAAAAAAAAAAAAAAAAAAAAAAAAAAAAAAAAAAAAAAAAAA/AAAAAAAAAKCGAQAAAAAAAAAAAAAAAAAMAAAAAQAAAAAAAAAAAAAAAAAAAB8AAABUAAAAAAAABQAAAAEAAAAAAAAAAAAAAAAAAAAAAAAAAAAAAAAAAAAAAAAAAAAAAAJ/f38AAAAAA8zMzADAwP8Af39/AAAAAAAAAAAAAAAAAAAAAAAAAAAAIQAAABgAAAAUAAAAwTUAABsnAABARwAAWSkAABAAAAAmAAAACAAAAAAAAAAAAAAA"/>
               </a:ext>
             </a:extLst>
           </p:cNvSpPr>
@@ -966,10 +968,10 @@
           <a:bodyPr/>
           <a:lstStyle/>
           <a:p>
-            <a:pPr/>
             <a:fld id="{2B3A0E09-47C6-6FF8-8882-B1AD40CC7EE4}" type="slidenum">
-              <a:t/>
+              <a:t>‹#›</a:t>
             </a:fld>
+            <a:endParaRPr/>
           </a:p>
         </p:txBody>
       </p:sp>
@@ -983,7 +985,7 @@
 </file>
 
 <file path=ppt/slideLayouts/slideLayout3.xml><?xml version="1.0" encoding="utf-8"?>
-<p:sldLayout xmlns:p="http://schemas.openxmlformats.org/presentationml/2006/main" xmlns:mc="http://schemas.openxmlformats.org/markup-compatibility/2006" xmlns:p14="http://schemas.microsoft.com/office/powerpoint/2010/main" xmlns:p15="http://schemas.microsoft.com/office/powerpoint/2012/main" xmlns:r="http://schemas.openxmlformats.org/officeDocument/2006/relationships" xmlns:a="http://schemas.openxmlformats.org/drawingml/2006/main" type="secHead">
+<p:sldLayout xmlns:a="http://schemas.openxmlformats.org/drawingml/2006/main" xmlns:r="http://schemas.openxmlformats.org/officeDocument/2006/relationships" xmlns:p="http://schemas.openxmlformats.org/presentationml/2006/main" type="secHead">
   <p:cSld name="Section header">
     <p:spTree>
       <p:nvGrpSpPr>
@@ -1006,7 +1008,7 @@
             <a:spLocks noGrp="1" noChangeArrowheads="1"/>
             <a:extLst>
               <a:ext uri="smNativeData">
-                <pr:smNativeData xmlns:pr="smNativeData" xmlns="smNativeData" val="SMDATA_15_wwJCaRMAAAAlAAAAZAAAAA8BAAAAkAAAAEgAAACQAAAASAAAAAAAAAAAAAAAAAAAAAEAAABQAAAAAAAAAAAA4D8AAAAAAADgPwAAAAAAAOA/AAAAAAAA4D8AAAAAAADgPwAAAAAAAOA/AAAAAAAA4D8AAAAAAADgPwAAAAAAAOA/AAAAAAAA4D8CAAAAjAAAAAAAAAAAAAAAu+DjDP///wgAAAAAAAAAAAAAAAAAAAAAAAAAAAAAAAAAAAAAZAAAAAEAAABAAAAAAAAAAAAAAAAAAAAAAAAAAAAAAAAAAAAAAAAAAAAAAAAAAAAAAAAAAAAAAAAAAAAAAAAAAAAAAAAAAAAAAAAAAAAAAAAAAAAAAAAAAAAAAAAAAAAAFAAAADwAAAAAAAAAAAAAAAAAAAkUAAAAAQAAABQAAAAUAAAAFAAAAAEAAAAAAAAAZAAAAGQAAAAAAAAAZAAAAGQAAAAVAAAAYAAAAAAAAAAAAAAADwAAACADAAAAAAAAAAAAAAEAAACgMgAAVgcAAKr4//8BAAAAf39/AAEAAABkAAAAAAAAABQAAABAHwAAAAAAACYAAAAAAAAAwOD//wAAAAAmAAAAZAAAABYAAABMAAAAAAAAAAAAAAAEAAAAAAAAAAEAAACAgIAKAAAAACgAAAAoAAAAZAAAAGQAAAAAAAAAzMzMAAAAAABQAAAAUAAAAGQAAABkAAAAAAAAABcAAAAUAAAAAAAAAAAAAAD/fwAA/38AAAAAAAAJAAAABAAAANw7IAEeAAAAaAAAAAAAAAAAAAAAAAAAAAAAAAAAAAAAECcAABAnAAAAAAAAAAAAAAAAAAAAAAAAAAAAAAAAAAAAAAAAAAAAABQAAAAAAAAAwMD/AAAAAABkAAAAMgAAAAAAAABkAAAAAAAAAH9/fwAKAAAAIgAAABgAAAAAAAAAAAAAAAAAAAAAAAAAAAAAAAAAAAAkAAAAJAAAAAAAAAAHAAAAAAAAAAAAAAAAAAAAAAAAAAAAAAAAAAAAf39/ACUAAABYAAAAAAAAAAAAAAAAAAAAAAAAAAAAAAAAAAAAAAAAAAAAAAAAAAAAAAAAAAAAAAA/AAAAAAAAAKCGAQAAAAAAAAAAAAAAAAAMAAAAAQAAAAAAAAAAAAAAAAAAAB8AAABUAAAAAAAABQAAAAEAAAAAAAAAAAAAAAAAAAAAAAAAAAAAAAAAAAAAAAAAAAAAAAJ/f38AAAAAA8zMzADAwP8Af39/AAAAAAAAAAAAAAAAAAAAAAAAAAAAIQAAABgAAAAUAAAA7QUAABwbAACtRQAAfSMAABAAAAAmAAAACAAAAIGAAAAAAAAA"/>
+                <pr:smNativeData xmlns="smNativeData" xmlns:pr="smNativeData" xmlns:p15="http://schemas.microsoft.com/office/powerpoint/2012/main" xmlns:p14="http://schemas.microsoft.com/office/powerpoint/2010/main" xmlns:mc="http://schemas.openxmlformats.org/markup-compatibility/2006" val="SMDATA_15_wwJCaRMAAAAlAAAAZAAAAA8BAAAAkAAAAEgAAACQAAAASAAAAAAAAAAAAAAAAAAAAAEAAABQAAAAAAAAAAAA4D8AAAAAAADgPwAAAAAAAOA/AAAAAAAA4D8AAAAAAADgPwAAAAAAAOA/AAAAAAAA4D8AAAAAAADgPwAAAAAAAOA/AAAAAAAA4D8CAAAAjAAAAAAAAAAAAAAAu+DjDP///wgAAAAAAAAAAAAAAAAAAAAAAAAAAAAAAAAAAAAAZAAAAAEAAABAAAAAAAAAAAAAAAAAAAAAAAAAAAAAAAAAAAAAAAAAAAAAAAAAAAAAAAAAAAAAAAAAAAAAAAAAAAAAAAAAAAAAAAAAAAAAAAAAAAAAAAAAAAAAAAAAAAAAFAAAADwAAAAAAAAAAAAAAAAAAAkUAAAAAQAAABQAAAAUAAAAFAAAAAEAAAAAAAAAZAAAAGQAAAAAAAAAZAAAAGQAAAAVAAAAYAAAAAAAAAAAAAAADwAAACADAAAAAAAAAAAAAAEAAACgMgAAVgcAAKr4//8BAAAAf39/AAEAAABkAAAAAAAAABQAAABAHwAAAAAAACYAAAAAAAAAwOD//wAAAAAmAAAAZAAAABYAAABMAAAAAAAAAAAAAAAEAAAAAAAAAAEAAACAgIAKAAAAACgAAAAoAAAAZAAAAGQAAAAAAAAAzMzMAAAAAABQAAAAUAAAAGQAAABkAAAAAAAAABcAAAAUAAAAAAAAAAAAAAD/fwAA/38AAAAAAAAJAAAABAAAANw7IAEeAAAAaAAAAAAAAAAAAAAAAAAAAAAAAAAAAAAAECcAABAnAAAAAAAAAAAAAAAAAAAAAAAAAAAAAAAAAAAAAAAAAAAAABQAAAAAAAAAwMD/AAAAAABkAAAAMgAAAAAAAABkAAAAAAAAAH9/fwAKAAAAIgAAABgAAAAAAAAAAAAAAAAAAAAAAAAAAAAAAAAAAAAkAAAAJAAAAAAAAAAHAAAAAAAAAAAAAAAAAAAAAAAAAAAAAAAAAAAAf39/ACUAAABYAAAAAAAAAAAAAAAAAAAAAAAAAAAAAAAAAAAAAAAAAAAAAAAAAAAAAAAAAAAAAAA/AAAAAAAAAKCGAQAAAAAAAAAAAAAAAAAMAAAAAQAAAAAAAAAAAAAAAAAAAB8AAABUAAAAAAAABQAAAAEAAAAAAAAAAAAAAAAAAAAAAAAAAAAAAAAAAAAAAAAAAAAAAAJ/f38AAAAAA8zMzADAwP8Af39/AAAAAAAAAAAAAAAAAAAAAAAAAAAAIQAAABgAAAAUAAAA7QUAABwbAACtRQAAfSMAABAAAAAmAAAACAAAAIGAAAAAAAAA"/>
               </a:ext>
             </a:extLst>
           </p:cNvSpPr>
@@ -1032,7 +1034,6 @@
             </a:lvl1pPr>
           </a:lstStyle>
           <a:p>
-            <a:pPr/>
             <a:r>
               <a:t>Click to edit Master title style</a:t>
             </a:r>
@@ -1046,7 +1047,7 @@
             <a:spLocks noGrp="1" noChangeArrowheads="1"/>
             <a:extLst>
               <a:ext uri="smNativeData">
-                <pr:smNativeData xmlns:pr="smNativeData" xmlns="smNativeData" val="SMDATA_15_wwJCaRMAAAAlAAAAZAAAAA8BAAAAkAAAAEgAAACQAAAASAAAAAAAAAACAAAAAAAAAAEAAABQAAAAAAAAAAAA4D8AAAAAAADgPwAAAAAAAOA/AAAAAAAA4D8AAAAAAADgPwAAAAAAAOA/AAAAAAAA4D8AAAAAAADgPwAAAAAAAOA/AAAAAAAA4D8CAAAAjAAAAAAAAAAAAAAAu+DjDP///wgAAAAAAAAAAAAAAAAAAAAAAAAAAAAAAAAAAAAAZAAAAAEAAABAAAAAAAAAAAAAAAAAAAAAAAAAAAAAAAAAAAAAAAAAAAAAAAAAAAAAAAAAAAAAAAAAAAAAAAAAAAAAAAAAAAAAAAAAAAAAAAAAAAAAAAAAAAAAAAAAAAAAFAAAADwAAAAAAAAAAAAAAAAAAAkUAAAAAQAAABQAAAAUAAAAFAAAAAEAAAAAAAAAZAAAAGQAAAAAAAAAZAAAAGQAAAAVAAAAYAAAAAAAAAAAAAAADwAAACADAAAAAAAAAAAAAAEAAACgMgAAVgcAAKr4//8BAAAAf39/AAEAAABkAAAAAAAAABQAAABAHwAAAAAAACYAAAAAAAAAwOD//wAAAAAmAAAAZAAAABYAAABMAAAAAAAAAAAAAAAEAAAAAAAAAAEAAACAgIAKAAAAACgAAAAoAAAAZAAAAGQAAAAAAAAAzMzMAAAAAABQAAAAUAAAAGQAAABkAAAAAAAAABcAAAAUAAAAAAAAAAAAAAD/fwAA/38AAAAAAAAJAAAABAAAANw7IAEeAAAAaAAAAAAAAAAAAAAAAAAAAAAAAAAAAAAAECcAABAnAAAAAAAAAAAAAAAAAAAAAAAAAAAAAAAAAAAAAAAAAAAAABQAAAAAAAAAwMD/AAAAAABkAAAAMgAAAAAAAABkAAAAAAAAAH9/fwAKAAAAIgAAABgAAAAAAAAAAAAAAAAAAAAAAAAAAAAAAAAAAAAkAAAAJAAAAAAAAAAHAAAAAAAAAAAAAAAAAAAAAAAAAAAAAAAAAAAAf39/ACUAAABYAAAAAAAAAAAAAAAAAAAAAAAAAAAAAAAAAAAAAAAAAAAAAAAAAAAAAAAAAAAAAAA/AAAAAAAAAKCGAQAAAAAAAAAAAAAAAAAMAAAAAQAAAAAAAAAAAAAAAAAAAB8AAABUAAAAAAAABQAAAAEAAAAAAAAAAAAAAAAAAAAAAAAAAAAAAAAAAAAAAAAAAAAAAAJ/f38AAAAAA8zMzADAwP8Af39/AAAAAAAAAAAAAAAAAAAAAAAAAAAAIQAAABgAAAAUAAAA7QUAAOERAACtRQAAHBsAABAAAAAmAAAACAAAAIGAAAAAAAAA"/>
+                <pr:smNativeData xmlns="smNativeData" xmlns:pr="smNativeData" xmlns:p15="http://schemas.microsoft.com/office/powerpoint/2012/main" xmlns:p14="http://schemas.microsoft.com/office/powerpoint/2010/main" xmlns:mc="http://schemas.openxmlformats.org/markup-compatibility/2006" val="SMDATA_15_wwJCaRMAAAAlAAAAZAAAAA8BAAAAkAAAAEgAAACQAAAASAAAAAAAAAACAAAAAAAAAAEAAABQAAAAAAAAAAAA4D8AAAAAAADgPwAAAAAAAOA/AAAAAAAA4D8AAAAAAADgPwAAAAAAAOA/AAAAAAAA4D8AAAAAAADgPwAAAAAAAOA/AAAAAAAA4D8CAAAAjAAAAAAAAAAAAAAAu+DjDP///wgAAAAAAAAAAAAAAAAAAAAAAAAAAAAAAAAAAAAAZAAAAAEAAABAAAAAAAAAAAAAAAAAAAAAAAAAAAAAAAAAAAAAAAAAAAAAAAAAAAAAAAAAAAAAAAAAAAAAAAAAAAAAAAAAAAAAAAAAAAAAAAAAAAAAAAAAAAAAAAAAAAAAFAAAADwAAAAAAAAAAAAAAAAAAAkUAAAAAQAAABQAAAAUAAAAFAAAAAEAAAAAAAAAZAAAAGQAAAAAAAAAZAAAAGQAAAAVAAAAYAAAAAAAAAAAAAAADwAAACADAAAAAAAAAAAAAAEAAACgMgAAVgcAAKr4//8BAAAAf39/AAEAAABkAAAAAAAAABQAAABAHwAAAAAAACYAAAAAAAAAwOD//wAAAAAmAAAAZAAAABYAAABMAAAAAAAAAAAAAAAEAAAAAAAAAAEAAACAgIAKAAAAACgAAAAoAAAAZAAAAGQAAAAAAAAAzMzMAAAAAABQAAAAUAAAAGQAAABkAAAAAAAAABcAAAAUAAAAAAAAAAAAAAD/fwAA/38AAAAAAAAJAAAABAAAANw7IAEeAAAAaAAAAAAAAAAAAAAAAAAAAAAAAAAAAAAAECcAABAnAAAAAAAAAAAAAAAAAAAAAAAAAAAAAAAAAAAAAAAAAAAAABQAAAAAAAAAwMD/AAAAAABkAAAAMgAAAAAAAABkAAAAAAAAAH9/fwAKAAAAIgAAABgAAAAAAAAAAAAAAAAAAAAAAAAAAAAAAAAAAAAkAAAAJAAAAAAAAAAHAAAAAAAAAAAAAAAAAAAAAAAAAAAAAAAAAAAAf39/ACUAAABYAAAAAAAAAAAAAAAAAAAAAAAAAAAAAAAAAAAAAAAAAAAAAAAAAAAAAAAAAAAAAAA/AAAAAAAAAKCGAQAAAAAAAAAAAAAAAAAMAAAAAQAAAAAAAAAAAAAAAAAAAB8AAABUAAAAAAAABQAAAAEAAAAAAAAAAAAAAAAAAAAAAAAAAAAAAAAAAAAAAAAAAAAAAAJ/f38AAAAAA8zMzADAwP8Af39/AAAAAAAAAAAAAAAAAAAAAAAAAAAAIQAAABgAAAAUAAAA7QUAAOERAACtRQAAHBsAABAAAAAmAAAACAAAAIGAAAAAAAAA"/>
               </a:ext>
             </a:extLst>
           </p:cNvSpPr>
@@ -1105,7 +1106,6 @@
             </a:lvl9pPr>
           </a:lstStyle>
           <a:p>
-            <a:pPr/>
             <a:r>
               <a:t>Click to edit Master text styles</a:t>
             </a:r>
@@ -1119,7 +1119,7 @@
             <a:spLocks noGrp="1" noChangeArrowheads="1"/>
             <a:extLst>
               <a:ext uri="smNativeData">
-                <pr:smNativeData xmlns:pr="smNativeData" xmlns="smNativeData" val="SMDATA_15_wwJCaRMAAAAlAAAAZAAAAA8BAAAAkAAAAEgAAACQAAAASAAAAAAAAAABAAAAAAAAAAEAAABQAAAAAAAAAAAA4D8AAAAAAADgPwAAAAAAAOA/AAAAAAAA4D8AAAAAAADgPwAAAAAAAOA/AAAAAAAA4D8AAAAAAADgPwAAAAAAAOA/AAAAAAAA4D8CAAAAjAAAAAAAAAAAAAAAu+DjDP///wgAAAAAAAAAAAAAAAAAAAAAAAAAAAAAAAAAAAAAZAAAAAEAAABAAAAAAAAAAAAAAAAAAAAAAAAAAAAAAAAAAAAAAAAAAAAAAAAAAAAAAAAAAAAAAAAAAAAAAAAAAAAAAAAAAAAAAAAAAAAAAAAAAAAAAAAAAAAAAAAAAAAAFAAAADwAAAAAAAAAAAAAAAAAAAkUAAAAAQAAABQAAAAUAAAAFAAAAAEAAAAAAAAAZAAAAGQAAAAAAAAAZAAAAGQAAAAVAAAAYAAAAAAAAAAAAAAADwAAACADAAAAAAAAAAAAAAEAAACgMgAAVgcAAKr4//8BAAAAf39/AAEAAABkAAAAAAAAABQAAABAHwAAAAAAACYAAAAAAAAAwOD//wAAAAAmAAAAZAAAABYAAABMAAAAAAAAAAAAAAAEAAAAAAAAAAEAAACAgIAKAAAAACgAAAAoAAAAZAAAAGQAAAAAAAAAzMzMAAAAAABQAAAAUAAAAGQAAABkAAAAAAAAABcAAAAUAAAAAAAAAAAAAAD/fwAA/38AAAAAAAAJAAAABAAAAAAAAAAeAAAAaAAAAAAAAAAAAAAAAAAAAAAAAAAAAAAAECcAABAnAAAAAAAAAAAAAAAAAAAAAAAAAAAAAAAAAAAAAAAAAAAAABQAAAAAAAAAwMD/AAAAAABkAAAAMgAAAAAAAABkAAAAAAAAAH9/fwAKAAAAIgAAABgAAAAAAAAAAAAAAAAAAAAAAAAAAAAAAAAAAAAkAAAAJAAAAAAAAAAHAAAAAAAAAAAAAAAAAAAAAAAAAAAAAAAAAAAAf39/ACUAAABYAAAAAAAAAAAAAAAAAAAAAAAAAAAAAAAAAAAAAAAAAAAAAAAAAAAAAAAAAAAAAAA/AAAAAAAAAKCGAQAAAAAAAAAAAAAAAAAMAAAAAQAAAAAAAAAAAAAAAAAAAB8AAABUAAAAAAAABQAAAAEAAAAAAAAAAAAAAAAAAAAAAAAAAAAAAAAAAAAAAAAAAAAAAAJ/f38AAAAAA8zMzADAwP8Af39/AAAAAAAAAAAAAAAAAAAAAAAAAAAAIQAAABgAAAAUAAAAwAMAABsnAAA/FQAAWSkAABAAAAAmAAAACAAAAAAAAAAAAAAA"/>
+                <pr:smNativeData xmlns="smNativeData" xmlns:pr="smNativeData" xmlns:p15="http://schemas.microsoft.com/office/powerpoint/2012/main" xmlns:p14="http://schemas.microsoft.com/office/powerpoint/2010/main" xmlns:mc="http://schemas.openxmlformats.org/markup-compatibility/2006" val="SMDATA_15_wwJCaRMAAAAlAAAAZAAAAA8BAAAAkAAAAEgAAACQAAAASAAAAAAAAAABAAAAAAAAAAEAAABQAAAAAAAAAAAA4D8AAAAAAADgPwAAAAAAAOA/AAAAAAAA4D8AAAAAAADgPwAAAAAAAOA/AAAAAAAA4D8AAAAAAADgPwAAAAAAAOA/AAAAAAAA4D8CAAAAjAAAAAAAAAAAAAAAu+DjDP///wgAAAAAAAAAAAAAAAAAAAAAAAAAAAAAAAAAAAAAZAAAAAEAAABAAAAAAAAAAAAAAAAAAAAAAAAAAAAAAAAAAAAAAAAAAAAAAAAAAAAAAAAAAAAAAAAAAAAAAAAAAAAAAAAAAAAAAAAAAAAAAAAAAAAAAAAAAAAAAAAAAAAAFAAAADwAAAAAAAAAAAAAAAAAAAkUAAAAAQAAABQAAAAUAAAAFAAAAAEAAAAAAAAAZAAAAGQAAAAAAAAAZAAAAGQAAAAVAAAAYAAAAAAAAAAAAAAADwAAACADAAAAAAAAAAAAAAEAAACgMgAAVgcAAKr4//8BAAAAf39/AAEAAABkAAAAAAAAABQAAABAHwAAAAAAACYAAAAAAAAAwOD//wAAAAAmAAAAZAAAABYAAABMAAAAAAAAAAAAAAAEAAAAAAAAAAEAAACAgIAKAAAAACgAAAAoAAAAZAAAAGQAAAAAAAAAzMzMAAAAAABQAAAAUAAAAGQAAABkAAAAAAAAABcAAAAUAAAAAAAAAAAAAAD/fwAA/38AAAAAAAAJAAAABAAAAAAAAAAeAAAAaAAAAAAAAAAAAAAAAAAAAAAAAAAAAAAAECcAABAnAAAAAAAAAAAAAAAAAAAAAAAAAAAAAAAAAAAAAAAAAAAAABQAAAAAAAAAwMD/AAAAAABkAAAAMgAAAAAAAABkAAAAAAAAAH9/fwAKAAAAIgAAABgAAAAAAAAAAAAAAAAAAAAAAAAAAAAAAAAAAAAkAAAAJAAAAAAAAAAHAAAAAAAAAAAAAAAAAAAAAAAAAAAAAAAAAAAAf39/ACUAAABYAAAAAAAAAAAAAAAAAAAAAAAAAAAAAAAAAAAAAAAAAAAAAAAAAAAAAAAAAAAAAAA/AAAAAAAAAKCGAQAAAAAAAAAAAAAAAAAMAAAAAQAAAAAAAAAAAAAAAAAAAB8AAABUAAAAAAAABQAAAAEAAAAAAAAAAAAAAAAAAAAAAAAAAAAAAAAAAAAAAAAAAAAAAAJ/f38AAAAAA8zMzADAwP8Af39/AAAAAAAAAAAAAAAAAAAAAAAAAAAAIQAAABgAAAAUAAAAwAMAABsnAAA/FQAAWSkAABAAAAAmAAAACAAAAAAAAAAAAAAA"/>
               </a:ext>
             </a:extLst>
           </p:cNvSpPr>
@@ -1132,10 +1132,10 @@
           <a:bodyPr/>
           <a:lstStyle/>
           <a:p>
-            <a:pPr/>
             <a:fld id="{2B3A08AA-E4C6-6FFE-8882-12AB46CC7E47}" type="datetime1">
-              <a:t/>
+              <a:t>12/16/2025</a:t>
             </a:fld>
+            <a:endParaRPr/>
           </a:p>
         </p:txBody>
       </p:sp>
@@ -1146,7 +1146,7 @@
             <a:spLocks noGrp="1" noChangeArrowheads="1"/>
             <a:extLst>
               <a:ext uri="smNativeData">
-                <pr:smNativeData xmlns:pr="smNativeData" xmlns="smNativeData" val="SMDATA_15_wwJCaRMAAAAlAAAAZAAAAA8BAAAAkAAAAEgAAACQAAAASAAAAAAAAAABAAAAAAAAAAEAAABQAAAAAAAAAAAA4D8AAAAAAADgPwAAAAAAAOA/AAAAAAAA4D8AAAAAAADgPwAAAAAAAOA/AAAAAAAA4D8AAAAAAADgPwAAAAAAAOA/AAAAAAAA4D8CAAAAjAAAAAAAAAAAAAAAu+DjDP///wgAAAAAAAAAAAAAAAAAAAAAAAAAAAAAAAAAAAAAZAAAAAEAAABAAAAAAAAAAAAAAAAAAAAAAAAAAAAAAAAAAAAAAAAAAAAAAAAAAAAAAAAAAAAAAAAAAAAAAAAAAAAAAAAAAAAAAAAAAAAAAAAAAAAAAAAAAAAAAAAAAAAAFAAAADwAAAAAAAAAAAAAAAAAAAkUAAAAAQAAABQAAAAUAAAAFAAAAAEAAAAAAAAAZAAAAGQAAAAAAAAAZAAAAGQAAAAVAAAAYAAAAAAAAAAAAAAADwAAACADAAAAAAAAAAAAAAEAAACgMgAAVgcAAKr4//8BAAAAf39/AAEAAABkAAAAAAAAABQAAABAHwAAAAAAACYAAAAAAAAAwOD//wAAAAAmAAAAZAAAABYAAABMAAAAAAAAAAAAAAAEAAAAAAAAAAEAAACAgIAKAAAAACgAAAAoAAAAZAAAAGQAAAAAAAAAzMzMAAAAAABQAAAAUAAAAGQAAABkAAAAAAAAABcAAAAUAAAAAAAAAAAAAAD/fwAA/38AAAAAAAAJAAAABAAAANw7IAEeAAAAaAAAAAAAAAAAAAAAAAAAAAAAAAAAAAAAECcAABAnAAAAAAAAAAAAAAAAAAAAAAAAAAAAAAAAAAAAAAAAAAAAABQAAAAAAAAAwMD/AAAAAABkAAAAMgAAAAAAAABkAAAAAAAAAH9/fwAKAAAAIgAAABgAAAAAAAAAAAAAAAAAAAAAAAAAAAAAAAAAAAAkAAAAJAAAAAAAAAAHAAAAAAAAAAAAAAAAAAAAAAAAAAAAAAAAAAAAf39/ACUAAABYAAAAAAAAAAAAAAAAAAAAAAAAAAAAAAAAAAAAAAAAAAAAAAAAAAAAAAAAAAAAAAA/AAAAAAAAAKCGAQAAAAAAAAAAAAAAAAAMAAAAAQAAAAAAAAAAAAAAAAAAAB8AAABUAAAAAAAABQAAAAEAAAAAAAAAAAAAAAAAAAAAAAAAAAAAAAAAAAAAAAAAAAAAAAJ/f38AAAAAA8zMzADAwP8Af39/AAAAAAAAAAAAAAAAAAAAAAAAAAAAIQAAABgAAAAUAAAAoRkAABsnAABfMQAAWSkAABAAAAAmAAAACAAAAAAAAAAAAAAA"/>
+                <pr:smNativeData xmlns="smNativeData" xmlns:pr="smNativeData" xmlns:p15="http://schemas.microsoft.com/office/powerpoint/2012/main" xmlns:p14="http://schemas.microsoft.com/office/powerpoint/2010/main" xmlns:mc="http://schemas.openxmlformats.org/markup-compatibility/2006" val="SMDATA_15_wwJCaRMAAAAlAAAAZAAAAA8BAAAAkAAAAEgAAACQAAAASAAAAAAAAAABAAAAAAAAAAEAAABQAAAAAAAAAAAA4D8AAAAAAADgPwAAAAAAAOA/AAAAAAAA4D8AAAAAAADgPwAAAAAAAOA/AAAAAAAA4D8AAAAAAADgPwAAAAAAAOA/AAAAAAAA4D8CAAAAjAAAAAAAAAAAAAAAu+DjDP///wgAAAAAAAAAAAAAAAAAAAAAAAAAAAAAAAAAAAAAZAAAAAEAAABAAAAAAAAAAAAAAAAAAAAAAAAAAAAAAAAAAAAAAAAAAAAAAAAAAAAAAAAAAAAAAAAAAAAAAAAAAAAAAAAAAAAAAAAAAAAAAAAAAAAAAAAAAAAAAAAAAAAAFAAAADwAAAAAAAAAAAAAAAAAAAkUAAAAAQAAABQAAAAUAAAAFAAAAAEAAAAAAAAAZAAAAGQAAAAAAAAAZAAAAGQAAAAVAAAAYAAAAAAAAAAAAAAADwAAACADAAAAAAAAAAAAAAEAAACgMgAAVgcAAKr4//8BAAAAf39/AAEAAABkAAAAAAAAABQAAABAHwAAAAAAACYAAAAAAAAAwOD//wAAAAAmAAAAZAAAABYAAABMAAAAAAAAAAAAAAAEAAAAAAAAAAEAAACAgIAKAAAAACgAAAAoAAAAZAAAAGQAAAAAAAAAzMzMAAAAAABQAAAAUAAAAGQAAABkAAAAAAAAABcAAAAUAAAAAAAAAAAAAAD/fwAA/38AAAAAAAAJAAAABAAAANw7IAEeAAAAaAAAAAAAAAAAAAAAAAAAAAAAAAAAAAAAECcAABAnAAAAAAAAAAAAAAAAAAAAAAAAAAAAAAAAAAAAAAAAAAAAABQAAAAAAAAAwMD/AAAAAABkAAAAMgAAAAAAAABkAAAAAAAAAH9/fwAKAAAAIgAAABgAAAAAAAAAAAAAAAAAAAAAAAAAAAAAAAAAAAAkAAAAJAAAAAAAAAAHAAAAAAAAAAAAAAAAAAAAAAAAAAAAAAAAAAAAf39/ACUAAABYAAAAAAAAAAAAAAAAAAAAAAAAAAAAAAAAAAAAAAAAAAAAAAAAAAAAAAAAAAAAAAA/AAAAAAAAAKCGAQAAAAAAAAAAAAAAAAAMAAAAAQAAAAAAAAAAAAAAAAAAAB8AAABUAAAAAAAABQAAAAEAAAAAAAAAAAAAAAAAAAAAAAAAAAAAAAAAAAAAAAAAAAAAAAJ/f38AAAAAA8zMzADAwP8Af39/AAAAAAAAAAAAAAAAAAAAAAAAAAAAIQAAABgAAAAUAAAAoRkAABsnAABfMQAAWSkAABAAAAAmAAAACAAAAAAAAAAAAAAA"/>
               </a:ext>
             </a:extLst>
           </p:cNvSpPr>
@@ -1159,7 +1159,7 @@
           <a:bodyPr/>
           <a:lstStyle/>
           <a:p>
-            <a:pPr/>
+            <a:endParaRPr/>
           </a:p>
         </p:txBody>
       </p:sp>
@@ -1170,7 +1170,7 @@
             <a:spLocks noGrp="1" noChangeArrowheads="1"/>
             <a:extLst>
               <a:ext uri="smNativeData">
-                <pr:smNativeData xmlns:pr="smNativeData" xmlns="smNativeData" val="SMDATA_15_wwJCaRMAAAAlAAAAZAAAAA8BAAAAkAAAAEgAAACQAAAASAAAAAAAAAABAAAAAAAAAAEAAABQAAAAAAAAAAAA4D8AAAAAAADgPwAAAAAAAOA/AAAAAAAA4D8AAAAAAADgPwAAAAAAAOA/AAAAAAAA4D8AAAAAAADgPwAAAAAAAOA/AAAAAAAA4D8CAAAAjAAAAAAAAAAAAAAAu+DjDP///wgAAAAAAAAAAAAAAAAAAAAAAAAAAAAAAAAAAAAAZAAAAAEAAABAAAAAAAAAAAAAAAAAAAAAAAAAAAAAAAAAAAAAAAAAAAAAAAAAAAAAAAAAAAAAAAAAAAAAAAAAAAAAAAAAAAAAAAAAAAAAAAAAAAAAAAAAAAAAAAAAAAAAFAAAADwAAAAAAAAAAAAAAAAAAAkUAAAAAQAAABQAAAAUAAAAFAAAAAEAAAAAAAAAZAAAAGQAAAAAAAAAZAAAAGQAAAAVAAAAYAAAAAAAAAAAAAAADwAAACADAAAAAAAAAAAAAAEAAACgMgAAVgcAAKr4//8BAAAAf39/AAEAAABkAAAAAAAAABQAAABAHwAAAAAAACYAAAAAAAAAwOD//wAAAAAmAAAAZAAAABYAAABMAAAAAAAAAAAAAAAEAAAAAAAAAAEAAACAgIAKAAAAACgAAAAoAAAAZAAAAGQAAAAAAAAAzMzMAAAAAABQAAAAUAAAAGQAAABkAAAAAAAAABcAAAAUAAAAAAAAAAAAAAD/fwAA/38AAAAAAAAJAAAABAAAANw7IAEeAAAAaAAAAAAAAAAAAAAAAAAAAAAAAAAAAAAAECcAABAnAAAAAAAAAAAAAAAAAAAAAAAAAAAAAAAAAAAAAAAAAAAAABQAAAAAAAAAwMD/AAAAAABkAAAAMgAAAAAAAABkAAAAAAAAAH9/fwAKAAAAIgAAABgAAAAAAAAAAAAAAAAAAAAAAAAAAAAAAAAAAAAkAAAAJAAAAAAAAAAHAAAAAAAAAAAAAAAAAAAAAAAAAAAAAAAAAAAAf39/ACUAAABYAAAAAAAAAAAAAAAAAAAAAAAAAAAAAAAAAAAAAAAAAAAAAAAAAAAAAAAAAAAAAAA/AAAAAAAAAKCGAQAAAAAAAAAAAAAAAAAMAAAAAQAAAAAAAAAAAAAAAAAAAB8AAABUAAAAAAAABQAAAAEAAAAAAAAAAAAAAAAAAAAAAAAAAAAAAAAAAAAAAAAAAAAAAAJ/f38AAAAAA8zMzADAwP8Af39/AAAAAAAAAAAAAAAAAAAAAAAAAAAAIQAAABgAAAAUAAAAwTUAABsnAABARwAAWSkAABAAAAAmAAAACAAAAAAAAAAAAAAA"/>
+                <pr:smNativeData xmlns="smNativeData" xmlns:pr="smNativeData" xmlns:p15="http://schemas.microsoft.com/office/powerpoint/2012/main" xmlns:p14="http://schemas.microsoft.com/office/powerpoint/2010/main" xmlns:mc="http://schemas.openxmlformats.org/markup-compatibility/2006" val="SMDATA_15_wwJCaRMAAAAlAAAAZAAAAA8BAAAAkAAAAEgAAACQAAAASAAAAAAAAAABAAAAAAAAAAEAAABQAAAAAAAAAAAA4D8AAAAAAADgPwAAAAAAAOA/AAAAAAAA4D8AAAAAAADgPwAAAAAAAOA/AAAAAAAA4D8AAAAAAADgPwAAAAAAAOA/AAAAAAAA4D8CAAAAjAAAAAAAAAAAAAAAu+DjDP///wgAAAAAAAAAAAAAAAAAAAAAAAAAAAAAAAAAAAAAZAAAAAEAAABAAAAAAAAAAAAAAAAAAAAAAAAAAAAAAAAAAAAAAAAAAAAAAAAAAAAAAAAAAAAAAAAAAAAAAAAAAAAAAAAAAAAAAAAAAAAAAAAAAAAAAAAAAAAAAAAAAAAAFAAAADwAAAAAAAAAAAAAAAAAAAkUAAAAAQAAABQAAAAUAAAAFAAAAAEAAAAAAAAAZAAAAGQAAAAAAAAAZAAAAGQAAAAVAAAAYAAAAAAAAAAAAAAADwAAACADAAAAAAAAAAAAAAEAAACgMgAAVgcAAKr4//8BAAAAf39/AAEAAABkAAAAAAAAABQAAABAHwAAAAAAACYAAAAAAAAAwOD//wAAAAAmAAAAZAAAABYAAABMAAAAAAAAAAAAAAAEAAAAAAAAAAEAAACAgIAKAAAAACgAAAAoAAAAZAAAAGQAAAAAAAAAzMzMAAAAAABQAAAAUAAAAGQAAABkAAAAAAAAABcAAAAUAAAAAAAAAAAAAAD/fwAA/38AAAAAAAAJAAAABAAAANw7IAEeAAAAaAAAAAAAAAAAAAAAAAAAAAAAAAAAAAAAECcAABAnAAAAAAAAAAAAAAAAAAAAAAAAAAAAAAAAAAAAAAAAAAAAABQAAAAAAAAAwMD/AAAAAABkAAAAMgAAAAAAAABkAAAAAAAAAH9/fwAKAAAAIgAAABgAAAAAAAAAAAAAAAAAAAAAAAAAAAAAAAAAAAAkAAAAJAAAAAAAAAAHAAAAAAAAAAAAAAAAAAAAAAAAAAAAAAAAAAAAf39/ACUAAABYAAAAAAAAAAAAAAAAAAAAAAAAAAAAAAAAAAAAAAAAAAAAAAAAAAAAAAAAAAAAAAA/AAAAAAAAAKCGAQAAAAAAAAAAAAAAAAAMAAAAAQAAAAAAAAAAAAAAAAAAAB8AAABUAAAAAAAABQAAAAEAAAAAAAAAAAAAAAAAAAAAAAAAAAAAAAAAAAAAAAAAAAAAAAJ/f38AAAAAA8zMzADAwP8Af39/AAAAAAAAAAAAAAAAAAAAAAAAAAAAIQAAABgAAAAUAAAAwTUAABsnAABARwAAWSkAABAAAAAmAAAACAAAAAAAAAAAAAAA"/>
               </a:ext>
             </a:extLst>
           </p:cNvSpPr>
@@ -1183,10 +1183,10 @@
           <a:bodyPr/>
           <a:lstStyle/>
           <a:p>
-            <a:pPr/>
             <a:fld id="{2B3A0D90-DEC6-6FFB-8882-28AE43CC7E7D}" type="slidenum">
-              <a:t/>
+              <a:t>‹#›</a:t>
             </a:fld>
+            <a:endParaRPr/>
           </a:p>
         </p:txBody>
       </p:sp>
@@ -1200,7 +1200,7 @@
 </file>
 
 <file path=ppt/slideLayouts/slideLayout4.xml><?xml version="1.0" encoding="utf-8"?>
-<p:sldLayout xmlns:p="http://schemas.openxmlformats.org/presentationml/2006/main" xmlns:mc="http://schemas.openxmlformats.org/markup-compatibility/2006" xmlns:p14="http://schemas.microsoft.com/office/powerpoint/2010/main" xmlns:p15="http://schemas.microsoft.com/office/powerpoint/2012/main" xmlns:r="http://schemas.openxmlformats.org/officeDocument/2006/relationships" xmlns:a="http://schemas.openxmlformats.org/drawingml/2006/main" type="twoColTx">
+<p:sldLayout xmlns:a="http://schemas.openxmlformats.org/drawingml/2006/main" xmlns:r="http://schemas.openxmlformats.org/officeDocument/2006/relationships" xmlns:p="http://schemas.openxmlformats.org/presentationml/2006/main" type="twoColTx">
   <p:cSld name="Title and two contents">
     <p:spTree>
       <p:nvGrpSpPr>
@@ -1223,7 +1223,7 @@
             <a:spLocks noGrp="1" noChangeArrowheads="1"/>
             <a:extLst>
               <a:ext uri="smNativeData">
-                <pr:smNativeData xmlns:pr="smNativeData" xmlns="smNativeData" val="SMDATA_15_wwJCaRMAAAAlAAAAZAAAAA8BAAAAkAAAAEgAAACQAAAASAAAAAAAAAABAAAAAAAAAAEAAABQAAAAAAAAAAAA4D8AAAAAAADgPwAAAAAAAOA/AAAAAAAA4D8AAAAAAADgPwAAAAAAAOA/AAAAAAAA4D8AAAAAAADgPwAAAAAAAOA/AAAAAAAA4D8CAAAAjAAAAAAAAAAAAAAAu+DjDP///wgAAAAAAAAAAAAAAAAAAAAAAAAAAAAAAAAAAAAAZAAAAAEAAABAAAAAAAAAAAAAAAAAAAAAAAAAAAAAAAAAAAAAAAAAAAAAAAAAAAAAAAAAAAAAAAAAAAAAAAAAAAAAAAAAAAAAAAAAAAAAAAAAAAAAAAAAAAAAAAAAAAAAFAAAADwAAAAAAAAAAAAAAAAAAAkUAAAAAQAAABQAAAAUAAAAFAAAAAEAAAAAAAAAZAAAAGQAAAAAAAAAZAAAAGQAAAAVAAAAYAAAAAAAAAAAAAAADwAAACADAAAAAAAAAAAAAAEAAACgMgAAVgcAAKr4//8BAAAAf39/AAEAAABkAAAAAAAAABQAAABAHwAAAAAAACYAAAAAAAAAwOD//wAAAAAmAAAAZAAAABYAAABMAAAAAAAAAAAAAAAEAAAAAAAAAAEAAACAgIAKAAAAACgAAAAoAAAAZAAAAGQAAAAAAAAAzMzMAAAAAABQAAAAUAAAAGQAAABkAAAAAAAAABcAAAAUAAAAAAAAAAAAAAD/fwAA/38AAAAAAAAJAAAABAAAANw7IAEeAAAAaAAAAAAAAAAAAAAAAAAAAAAAAAAAAAAAECcAABAnAAAAAAAAAAAAAAAAAAAAAAAAAAAAAAAAAAAAAAAAAAAAABQAAAAAAAAAwMD/AAAAAABkAAAAMgAAAAAAAABkAAAAAAAAAH9/fwAKAAAAIgAAABgAAAAAAAAAAAAAAAAAAAAAAAAAAAAAAAAAAAAkAAAAJAAAAAAAAAAHAAAAAAAAAAAAAAAAAAAAAAAAAAAAAAAAAAAAf39/ACUAAABYAAAAAAAAAAAAAAAAAAAAAAAAAAAAAAAAAAAAAAAAAAAAAAAAAAAAAAAAAAAAAAA/AAAAAAAAAKCGAQAAAAAAAAAAAAAAAAAMAAAAAQAAAAAAAAAAAAAAAAAAAB8AAABUAAAAAAAABQAAAAEAAAAAAAAAAAAAAAAAAAAAAAAAAAAAAAAAAAAAAAAAAAAAAAJ/f38AAAAAA8zMzADAwP8Af39/AAAAAAAAAAAAAAAAAAAAAAAAAAAAIQAAABgAAAAUAAAAwAMAALABAABARwAAuAgAABAAAAAmAAAACAAAAAAAAAAAAAAA"/>
+                <pr:smNativeData xmlns="smNativeData" xmlns:pr="smNativeData" xmlns:p15="http://schemas.microsoft.com/office/powerpoint/2012/main" xmlns:p14="http://schemas.microsoft.com/office/powerpoint/2010/main" xmlns:mc="http://schemas.openxmlformats.org/markup-compatibility/2006" val="SMDATA_15_wwJCaRMAAAAlAAAAZAAAAA8BAAAAkAAAAEgAAACQAAAASAAAAAAAAAABAAAAAAAAAAEAAABQAAAAAAAAAAAA4D8AAAAAAADgPwAAAAAAAOA/AAAAAAAA4D8AAAAAAADgPwAAAAAAAOA/AAAAAAAA4D8AAAAAAADgPwAAAAAAAOA/AAAAAAAA4D8CAAAAjAAAAAAAAAAAAAAAu+DjDP///wgAAAAAAAAAAAAAAAAAAAAAAAAAAAAAAAAAAAAAZAAAAAEAAABAAAAAAAAAAAAAAAAAAAAAAAAAAAAAAAAAAAAAAAAAAAAAAAAAAAAAAAAAAAAAAAAAAAAAAAAAAAAAAAAAAAAAAAAAAAAAAAAAAAAAAAAAAAAAAAAAAAAAFAAAADwAAAAAAAAAAAAAAAAAAAkUAAAAAQAAABQAAAAUAAAAFAAAAAEAAAAAAAAAZAAAAGQAAAAAAAAAZAAAAGQAAAAVAAAAYAAAAAAAAAAAAAAADwAAACADAAAAAAAAAAAAAAEAAACgMgAAVgcAAKr4//8BAAAAf39/AAEAAABkAAAAAAAAABQAAABAHwAAAAAAACYAAAAAAAAAwOD//wAAAAAmAAAAZAAAABYAAABMAAAAAAAAAAAAAAAEAAAAAAAAAAEAAACAgIAKAAAAACgAAAAoAAAAZAAAAGQAAAAAAAAAzMzMAAAAAABQAAAAUAAAAGQAAABkAAAAAAAAABcAAAAUAAAAAAAAAAAAAAD/fwAA/38AAAAAAAAJAAAABAAAANw7IAEeAAAAaAAAAAAAAAAAAAAAAAAAAAAAAAAAAAAAECcAABAnAAAAAAAAAAAAAAAAAAAAAAAAAAAAAAAAAAAAAAAAAAAAABQAAAAAAAAAwMD/AAAAAABkAAAAMgAAAAAAAABkAAAAAAAAAH9/fwAKAAAAIgAAABgAAAAAAAAAAAAAAAAAAAAAAAAAAAAAAAAAAAAkAAAAJAAAAAAAAAAHAAAAAAAAAAAAAAAAAAAAAAAAAAAAAAAAAAAAf39/ACUAAABYAAAAAAAAAAAAAAAAAAAAAAAAAAAAAAAAAAAAAAAAAAAAAAAAAAAAAAAAAAAAAAA/AAAAAAAAAKCGAQAAAAAAAAAAAAAAAAAMAAAAAQAAAAAAAAAAAAAAAAAAAB8AAABUAAAAAAAABQAAAAEAAAAAAAAAAAAAAAAAAAAAAAAAAAAAAAAAAAAAAAAAAAAAAAJ/f38AAAAAA8zMzADAwP8Af39/AAAAAAAAAAAAAAAAAAAAAAAAAAAAIQAAABgAAAAUAAAAwAMAALABAABARwAAuAgAABAAAAAmAAAACAAAAAAAAAAAAAAA"/>
               </a:ext>
             </a:extLst>
           </p:cNvSpPr>
@@ -1236,7 +1236,6 @@
           <a:bodyPr/>
           <a:lstStyle/>
           <a:p>
-            <a:pPr/>
             <a:r>
               <a:t>Click to edit Master title style</a:t>
             </a:r>
@@ -1250,7 +1249,7 @@
             <a:spLocks noGrp="1" noChangeArrowheads="1"/>
             <a:extLst>
               <a:ext uri="smNativeData">
-                <pr:smNativeData xmlns:pr="smNativeData" xmlns="smNativeData" val="SMDATA_15_wwJCaRMAAAAlAAAAZAAAAA8BAAAAkAAAAEgAAACQAAAASAAAAAAAAAAAAAAAAAAAAAEAAABQAAAAAAAAAAAA4D8AAAAAAADgPwAAAAAAAOA/AAAAAAAA4D8AAAAAAADgPwAAAAAAAOA/AAAAAAAA4D8AAAAAAADgPwAAAAAAAOA/AAAAAAAA4D8CAAAAjAAAAAAAAAAAAAAAu+DjDP///wgAAAAAAAAAAAAAAAAAAAAAAAAAAAAAAAAAAAAAZAAAAAEAAABAAAAAAAAAAAAAAAAAAAAAAAAAAAAAAAAAAAAAAAAAAAAAAAAAAAAAAAAAAAAAAAAAAAAAAAAAAAAAAAAAAAAAAAAAAAAAAAAAAAAAAAAAAAAAAAAAAAAAFAAAADwAAAAAAAAAAAAAAAAAAAkUAAAAAQAAABQAAAAUAAAAFAAAAAEAAAAAAAAAZAAAAGQAAAAAAAAAZAAAAGQAAAAVAAAAYAAAAAAAAAAAAAAADwAAACADAAAAAAAAAAAAAAEAAACgMgAAVgcAAKr4//8BAAAAf39/AAEAAABkAAAAAAAAABQAAABAHwAAAAAAACYAAAAAAAAAwOD//wAAAAAmAAAAZAAAABYAAABMAAAAAAAAAAAAAAAEAAAAAAAAAAEAAACAgIAKAAAAACgAAAAoAAAAZAAAAGQAAAAAAAAAzMzMAAAAAABQAAAAUAAAAGQAAABkAAAAAAAAABcAAAAUAAAAAAAAAAAAAAD/fwAA/38AAAAAAAAJAAAABAAAANw7IAEeAAAAaAAAAAAAAAAAAAAAAAAAAAAAAAAAAAAAECcAABAnAAAAAAAAAAAAAAAAAAAAAAAAAAAAAAAAAAAAAAAAAAAAABQAAAAAAAAAwMD/AAAAAABkAAAAMgAAAAAAAABkAAAAAAAAAH9/fwAKAAAAIgAAABgAAAAAAAAAAAAAAAAAAAAAAAAAAAAAAAAAAAAkAAAAJAAAAAAAAAAHAAAAAAAAAAAAAAAAAAAAAAAAAAAAAAAAAAAAf39/ACUAAABYAAAAAAAAAAAAAAAAAAAAAAAAAAAAAAAAAAAAAAAAAAAAAAAAAAAAAAAAAAAAAAA/AAAAAAAAAKCGAQAAAAAAAAAAAAAAAAAMAAAAAQAAAAAAAAAAAAAAAAAAAB8AAABUAAAAAAAABQAAAAEAAAAAAAAAAAAAAAAAAAAAAAAAAAAAAAAAAAAAAAAAAAAAAAJ/f38AAAAAA8zMzADAwP8Af39/AAAAAAAAAAAAAAAAAAAAAAAAAAAAIQAAABgAAAAUAAAAwAMAANgJAADhJAAAsCUAABAAAAAmAAAACAAAAAGAAAAAAAAA"/>
+                <pr:smNativeData xmlns="smNativeData" xmlns:pr="smNativeData" xmlns:p15="http://schemas.microsoft.com/office/powerpoint/2012/main" xmlns:p14="http://schemas.microsoft.com/office/powerpoint/2010/main" xmlns:mc="http://schemas.openxmlformats.org/markup-compatibility/2006" val="SMDATA_15_wwJCaRMAAAAlAAAAZAAAAA8BAAAAkAAAAEgAAACQAAAASAAAAAAAAAAAAAAAAAAAAAEAAABQAAAAAAAAAAAA4D8AAAAAAADgPwAAAAAAAOA/AAAAAAAA4D8AAAAAAADgPwAAAAAAAOA/AAAAAAAA4D8AAAAAAADgPwAAAAAAAOA/AAAAAAAA4D8CAAAAjAAAAAAAAAAAAAAAu+DjDP///wgAAAAAAAAAAAAAAAAAAAAAAAAAAAAAAAAAAAAAZAAAAAEAAABAAAAAAAAAAAAAAAAAAAAAAAAAAAAAAAAAAAAAAAAAAAAAAAAAAAAAAAAAAAAAAAAAAAAAAAAAAAAAAAAAAAAAAAAAAAAAAAAAAAAAAAAAAAAAAAAAAAAAFAAAADwAAAAAAAAAAAAAAAAAAAkUAAAAAQAAABQAAAAUAAAAFAAAAAEAAAAAAAAAZAAAAGQAAAAAAAAAZAAAAGQAAAAVAAAAYAAAAAAAAAAAAAAADwAAACADAAAAAAAAAAAAAAEAAACgMgAAVgcAAKr4//8BAAAAf39/AAEAAABkAAAAAAAAABQAAABAHwAAAAAAACYAAAAAAAAAwOD//wAAAAAmAAAAZAAAABYAAABMAAAAAAAAAAAAAAAEAAAAAAAAAAEAAACAgIAKAAAAACgAAAAoAAAAZAAAAGQAAAAAAAAAzMzMAAAAAABQAAAAUAAAAGQAAABkAAAAAAAAABcAAAAUAAAAAAAAAAAAAAD/fwAA/38AAAAAAAAJAAAABAAAANw7IAEeAAAAaAAAAAAAAAAAAAAAAAAAAAAAAAAAAAAAECcAABAnAAAAAAAAAAAAAAAAAAAAAAAAAAAAAAAAAAAAAAAAAAAAABQAAAAAAAAAwMD/AAAAAABkAAAAMgAAAAAAAABkAAAAAAAAAH9/fwAKAAAAIgAAABgAAAAAAAAAAAAAAAAAAAAAAAAAAAAAAAAAAAAkAAAAJAAAAAAAAAAHAAAAAAAAAAAAAAAAAAAAAAAAAAAAAAAAAAAAf39/ACUAAABYAAAAAAAAAAAAAAAAAAAAAAAAAAAAAAAAAAAAAAAAAAAAAAAAAAAAAAAAAAAAAAA/AAAAAAAAAKCGAQAAAAAAAAAAAAAAAAAMAAAAAQAAAAAAAAAAAAAAAAAAAB8AAABUAAAAAAAABQAAAAEAAAAAAAAAAAAAAAAAAAAAAAAAAAAAAAAAAAAAAAAAAAAAAAJ/f38AAAAAA8zMzADAwP8Af39/AAAAAAAAAAAAAAAAAAAAAAAAAAAAIQAAABgAAAAUAAAAwAMAANgJAADhJAAAsCUAABAAAAAmAAAACAAAAAGAAAAAAAAA"/>
               </a:ext>
             </a:extLst>
           </p:cNvSpPr>
@@ -1296,7 +1295,6 @@
             </a:lvl9pPr>
           </a:lstStyle>
           <a:p>
-            <a:pPr/>
             <a:r>
               <a:t>Click to edit Master text styles</a:t>
             </a:r>
@@ -1334,7 +1332,7 @@
             <a:spLocks noGrp="1" noChangeArrowheads="1"/>
             <a:extLst>
               <a:ext uri="smNativeData">
-                <pr:smNativeData xmlns:pr="smNativeData" xmlns="smNativeData" val="SMDATA_15_wwJCaRMAAAAlAAAAZAAAAA8BAAAAkAAAAEgAAACQAAAASAAAAAAAAAAAAAAAAAAAAAEAAABQAAAAAAAAAAAA4D8AAAAAAADgPwAAAAAAAOA/AAAAAAAA4D8AAAAAAADgPwAAAAAAAOA/AAAAAAAA4D8AAAAAAADgPwAAAAAAAOA/AAAAAAAA4D8CAAAAjAAAAAAAAAAAAAAAu+DjDP///wgAAAAAAAAAAAAAAAAAAAAAAAAAAAAAAAAAAAAAZAAAAAEAAABAAAAAAAAAAAAAAAAAAAAAAAAAAAAAAAAAAAAAAAAAAAAAAAAAAAAAAAAAAAAAAAAAAAAAAAAAAAAAAAAAAAAAAAAAAAAAAAAAAAAAAAAAAAAAAAAAAAAAFAAAADwAAAAAAAAAAAAAAAAAAAkUAAAAAQAAABQAAAAUAAAAFAAAAAEAAAAAAAAAZAAAAGQAAAAAAAAAZAAAAGQAAAAVAAAAYAAAAAAAAAAAAAAADwAAACADAAAAAAAAAAAAAAEAAACgMgAAVgcAAKr4//8BAAAAf39/AAEAAABkAAAAAAAAABQAAABAHwAAAAAAACYAAAAAAAAAwOD//wAAAAAmAAAAZAAAABYAAABMAAAAAAAAAAAAAAAEAAAAAAAAAAEAAACAgIAKAAAAACgAAAAoAAAAZAAAAGQAAAAAAAAAzMzMAAAAAABQAAAAUAAAAGQAAABkAAAAAAAAABcAAAAUAAAAAAAAAAAAAAD/fwAA/38AAAAAAAAJAAAABAAAANw7IAEeAAAAaAAAAAAAAAAAAAAAAAAAAAAAAAAAAAAAECcAABAnAAAAAAAAAAAAAAAAAAAAAAAAAAAAAAAAAAAAAAAAAAAAABQAAAAAAAAAwMD/AAAAAABkAAAAMgAAAAAAAABkAAAAAAAAAH9/fwAKAAAAIgAAABgAAAAAAAAAAAAAAAAAAAAAAAAAAAAAAAAAAAAkAAAAJAAAAAAAAAAHAAAAAAAAAAAAAAAAAAAAAAAAAAAAAAAAAAAAf39/ACUAAABYAAAAAAAAAAAAAAAAAAAAAAAAAAAAAAAAAAAAAAAAAAAAAAAAAAAAAAAAAAAAAAA/AAAAAAAAAKCGAQAAAAAAAAAAAAAAAAAMAAAAAQAAAAAAAAAAAAAAAAAAAB8AAABUAAAAAAAABQAAAAEAAAAAAAAAAAAAAAAAAAAAAAAAAAAAAAAAAAAAAAAAAAAAAAJ/f38AAAAAA8zMzADAwP8Af39/AAAAAAAAAAAAAAAAAAAAAAAAAAAAIQAAABgAAAAUAAAAHyYAANgJAABARwAAsCUAABAAAAAmAAAACAAAAAGAAAAAAAAA"/>
+                <pr:smNativeData xmlns="smNativeData" xmlns:pr="smNativeData" xmlns:p15="http://schemas.microsoft.com/office/powerpoint/2012/main" xmlns:p14="http://schemas.microsoft.com/office/powerpoint/2010/main" xmlns:mc="http://schemas.openxmlformats.org/markup-compatibility/2006" val="SMDATA_15_wwJCaRMAAAAlAAAAZAAAAA8BAAAAkAAAAEgAAACQAAAASAAAAAAAAAAAAAAAAAAAAAEAAABQAAAAAAAAAAAA4D8AAAAAAADgPwAAAAAAAOA/AAAAAAAA4D8AAAAAAADgPwAAAAAAAOA/AAAAAAAA4D8AAAAAAADgPwAAAAAAAOA/AAAAAAAA4D8CAAAAjAAAAAAAAAAAAAAAu+DjDP///wgAAAAAAAAAAAAAAAAAAAAAAAAAAAAAAAAAAAAAZAAAAAEAAABAAAAAAAAAAAAAAAAAAAAAAAAAAAAAAAAAAAAAAAAAAAAAAAAAAAAAAAAAAAAAAAAAAAAAAAAAAAAAAAAAAAAAAAAAAAAAAAAAAAAAAAAAAAAAAAAAAAAAFAAAADwAAAAAAAAAAAAAAAAAAAkUAAAAAQAAABQAAAAUAAAAFAAAAAEAAAAAAAAAZAAAAGQAAAAAAAAAZAAAAGQAAAAVAAAAYAAAAAAAAAAAAAAADwAAACADAAAAAAAAAAAAAAEAAACgMgAAVgcAAKr4//8BAAAAf39/AAEAAABkAAAAAAAAABQAAABAHwAAAAAAACYAAAAAAAAAwOD//wAAAAAmAAAAZAAAABYAAABMAAAAAAAAAAAAAAAEAAAAAAAAAAEAAACAgIAKAAAAACgAAAAoAAAAZAAAAGQAAAAAAAAAzMzMAAAAAABQAAAAUAAAAGQAAABkAAAAAAAAABcAAAAUAAAAAAAAAAAAAAD/fwAA/38AAAAAAAAJAAAABAAAANw7IAEeAAAAaAAAAAAAAAAAAAAAAAAAAAAAAAAAAAAAECcAABAnAAAAAAAAAAAAAAAAAAAAAAAAAAAAAAAAAAAAAAAAAAAAABQAAAAAAAAAwMD/AAAAAABkAAAAMgAAAAAAAABkAAAAAAAAAH9/fwAKAAAAIgAAABgAAAAAAAAAAAAAAAAAAAAAAAAAAAAAAAAAAAAkAAAAJAAAAAAAAAAHAAAAAAAAAAAAAAAAAAAAAAAAAAAAAAAAAAAAf39/ACUAAABYAAAAAAAAAAAAAAAAAAAAAAAAAAAAAAAAAAAAAAAAAAAAAAAAAAAAAAAAAAAAAAA/AAAAAAAAAKCGAQAAAAAAAAAAAAAAAAAMAAAAAQAAAAAAAAAAAAAAAAAAAB8AAABUAAAAAAAABQAAAAEAAAAAAAAAAAAAAAAAAAAAAAAAAAAAAAAAAAAAAAAAAAAAAAJ/f38AAAAAA8zMzADAwP8Af39/AAAAAAAAAAAAAAAAAAAAAAAAAAAAIQAAABgAAAAUAAAAHyYAANgJAABARwAAsCUAABAAAAAmAAAACAAAAAGAAAAAAAAA"/>
               </a:ext>
             </a:extLst>
           </p:cNvSpPr>
@@ -1380,7 +1378,6 @@
             </a:lvl9pPr>
           </a:lstStyle>
           <a:p>
-            <a:pPr/>
             <a:r>
               <a:t>Click to edit Master text styles</a:t>
             </a:r>
@@ -1418,7 +1415,7 @@
             <a:spLocks noGrp="1" noChangeArrowheads="1"/>
             <a:extLst>
               <a:ext uri="smNativeData">
-                <pr:smNativeData xmlns:pr="smNativeData" xmlns="smNativeData" val="SMDATA_15_wwJCaRMAAAAlAAAAZAAAAA8BAAAAkAAAAEgAAACQAAAASAAAAAAAAAABAAAAAAAAAAEAAABQAAAAAAAAAAAA4D8AAAAAAADgPwAAAAAAAOA/AAAAAAAA4D8AAAAAAADgPwAAAAAAAOA/AAAAAAAA4D8AAAAAAADgPwAAAAAAAOA/AAAAAAAA4D8CAAAAjAAAAAAAAAAAAAAAu+DjDP///wgAAAAAAAAAAAAAAAAAAAAAAAAAAAAAAAAAAAAAZAAAAAEAAABAAAAAAAAAAAAAAAAAAAAAAAAAAAAAAAAAAAAAAAAAAAAAAAAAAAAAAAAAAAAAAAAAAAAAAAAAAAAAAAAAAAAAAAAAAAAAAAAAAAAAAAAAAAAAAAAAAAAAFAAAADwAAAAAAAAAAAAAAAAAAAkUAAAAAQAAABQAAAAUAAAAFAAAAAEAAAAAAAAAZAAAAGQAAAAAAAAAZAAAAGQAAAAVAAAAYAAAAAAAAAAAAAAADwAAACADAAAAAAAAAAAAAAEAAACgMgAAVgcAAKr4//8BAAAAf39/AAEAAABkAAAAAAAAABQAAABAHwAAAAAAACYAAAAAAAAAwOD//wAAAAAmAAAAZAAAABYAAABMAAAAAAAAAAAAAAAEAAAAAAAAAAEAAACAgIAKAAAAACgAAAAoAAAAZAAAAGQAAAAAAAAAzMzMAAAAAABQAAAAUAAAAGQAAABkAAAAAAAAABcAAAAUAAAAAAAAAAAAAAD/fwAA/38AAAAAAAAJAAAABAAAANw7IAEeAAAAaAAAAAAAAAAAAAAAAAAAAAAAAAAAAAAAECcAABAnAAAAAAAAAAAAAAAAAAAAAAAAAAAAAAAAAAAAAAAAAAAAABQAAAAAAAAAwMD/AAAAAABkAAAAMgAAAAAAAABkAAAAAAAAAH9/fwAKAAAAIgAAABgAAAAAAAAAAAAAAAAAAAAAAAAAAAAAAAAAAAAkAAAAJAAAAAAAAAAHAAAAAAAAAAAAAAAAAAAAAAAAAAAAAAAAAAAAf39/ACUAAABYAAAAAAAAAAAAAAAAAAAAAAAAAAAAAAAAAAAAAAAAAAAAAAAAAAAAAAAAAAAAAAA/AAAAAAAAAKCGAQAAAAAAAAAAAAAAAAAMAAAAAQAAAAAAAAAAAAAAAAAAAB8AAABUAAAAAAAABQAAAAEAAAAAAAAAAAAAAAAAAAAAAAAAAAAAAAAAAAAAAAAAAAAAAAJ/f38AAAAAA8zMzADAwP8Af39/AAAAAAAAAAAAAAAAAAAAAAAAAAAAIQAAABgAAAAUAAAAwAMAABsnAAA/FQAAWSkAABAAAAAmAAAACAAAAAAAAAAAAAAA"/>
+                <pr:smNativeData xmlns="smNativeData" xmlns:pr="smNativeData" xmlns:p15="http://schemas.microsoft.com/office/powerpoint/2012/main" xmlns:p14="http://schemas.microsoft.com/office/powerpoint/2010/main" xmlns:mc="http://schemas.openxmlformats.org/markup-compatibility/2006" val="SMDATA_15_wwJCaRMAAAAlAAAAZAAAAA8BAAAAkAAAAEgAAACQAAAASAAAAAAAAAABAAAAAAAAAAEAAABQAAAAAAAAAAAA4D8AAAAAAADgPwAAAAAAAOA/AAAAAAAA4D8AAAAAAADgPwAAAAAAAOA/AAAAAAAA4D8AAAAAAADgPwAAAAAAAOA/AAAAAAAA4D8CAAAAjAAAAAAAAAAAAAAAu+DjDP///wgAAAAAAAAAAAAAAAAAAAAAAAAAAAAAAAAAAAAAZAAAAAEAAABAAAAAAAAAAAAAAAAAAAAAAAAAAAAAAAAAAAAAAAAAAAAAAAAAAAAAAAAAAAAAAAAAAAAAAAAAAAAAAAAAAAAAAAAAAAAAAAAAAAAAAAAAAAAAAAAAAAAAFAAAADwAAAAAAAAAAAAAAAAAAAkUAAAAAQAAABQAAAAUAAAAFAAAAAEAAAAAAAAAZAAAAGQAAAAAAAAAZAAAAGQAAAAVAAAAYAAAAAAAAAAAAAAADwAAACADAAAAAAAAAAAAAAEAAACgMgAAVgcAAKr4//8BAAAAf39/AAEAAABkAAAAAAAAABQAAABAHwAAAAAAACYAAAAAAAAAwOD//wAAAAAmAAAAZAAAABYAAABMAAAAAAAAAAAAAAAEAAAAAAAAAAEAAACAgIAKAAAAACgAAAAoAAAAZAAAAGQAAAAAAAAAzMzMAAAAAABQAAAAUAAAAGQAAABkAAAAAAAAABcAAAAUAAAAAAAAAAAAAAD/fwAA/38AAAAAAAAJAAAABAAAANw7IAEeAAAAaAAAAAAAAAAAAAAAAAAAAAAAAAAAAAAAECcAABAnAAAAAAAAAAAAAAAAAAAAAAAAAAAAAAAAAAAAAAAAAAAAABQAAAAAAAAAwMD/AAAAAABkAAAAMgAAAAAAAABkAAAAAAAAAH9/fwAKAAAAIgAAABgAAAAAAAAAAAAAAAAAAAAAAAAAAAAAAAAAAAAkAAAAJAAAAAAAAAAHAAAAAAAAAAAAAAAAAAAAAAAAAAAAAAAAAAAAf39/ACUAAABYAAAAAAAAAAAAAAAAAAAAAAAAAAAAAAAAAAAAAAAAAAAAAAAAAAAAAAAAAAAAAAA/AAAAAAAAAKCGAQAAAAAAAAAAAAAAAAAMAAAAAQAAAAAAAAAAAAAAAAAAAB8AAABUAAAAAAAABQAAAAEAAAAAAAAAAAAAAAAAAAAAAAAAAAAAAAAAAAAAAAAAAAAAAAJ/f38AAAAAA8zMzADAwP8Af39/AAAAAAAAAAAAAAAAAAAAAAAAAAAAIQAAABgAAAAUAAAAwAMAABsnAAA/FQAAWSkAABAAAAAmAAAACAAAAAAAAAAAAAAA"/>
               </a:ext>
             </a:extLst>
           </p:cNvSpPr>
@@ -1431,10 +1428,10 @@
           <a:bodyPr/>
           <a:lstStyle/>
           <a:p>
-            <a:pPr/>
             <a:fld id="{2B3A34E3-ADC6-6FC2-8882-5B977ACC7E0E}" type="datetime1">
-              <a:t/>
+              <a:t>12/16/2025</a:t>
             </a:fld>
+            <a:endParaRPr/>
           </a:p>
         </p:txBody>
       </p:sp>
@@ -1445,7 +1442,7 @@
             <a:spLocks noGrp="1" noChangeArrowheads="1"/>
             <a:extLst>
               <a:ext uri="smNativeData">
-                <pr:smNativeData xmlns:pr="smNativeData" xmlns="smNativeData" val="SMDATA_15_wwJCaRMAAAAlAAAAZAAAAA8BAAAAkAAAAEgAAACQAAAASAAAAAAAAAABAAAAAAAAAAEAAABQAAAAAAAAAAAA4D8AAAAAAADgPwAAAAAAAOA/AAAAAAAA4D8AAAAAAADgPwAAAAAAAOA/AAAAAAAA4D8AAAAAAADgPwAAAAAAAOA/AAAAAAAA4D8CAAAAjAAAAAAAAAAAAAAAu+DjDP///wgAAAAAAAAAAAAAAAAAAAAAAAAAAAAAAAAAAAAAZAAAAAEAAABAAAAAAAAAAAAAAAAAAAAAAAAAAAAAAAAAAAAAAAAAAAAAAAAAAAAAAAAAAAAAAAAAAAAAAAAAAAAAAAAAAAAAAAAAAAAAAAAAAAAAAAAAAAAAAAAAAAAAFAAAADwAAAAAAAAAAAAAAAAAAAkUAAAAAQAAABQAAAAUAAAAFAAAAAEAAAAAAAAAZAAAAGQAAAAAAAAAZAAAAGQAAAAVAAAAYAAAAAAAAAAAAAAADwAAACADAAAAAAAAAAAAAAEAAACgMgAAVgcAAKr4//8BAAAAf39/AAEAAABkAAAAAAAAABQAAABAHwAAAAAAACYAAAAAAAAAwOD//wAAAAAmAAAAZAAAABYAAABMAAAAAAAAAAAAAAAEAAAAAAAAAAEAAACAgIAKAAAAACgAAAAoAAAAZAAAAGQAAAAAAAAAzMzMAAAAAABQAAAAUAAAAGQAAABkAAAAAAAAABcAAAAUAAAAAAAAAAAAAAD/fwAA/38AAAAAAAAJAAAABAAAANw7IAEeAAAAaAAAAAAAAAAAAAAAAAAAAAAAAAAAAAAAECcAABAnAAAAAAAAAAAAAAAAAAAAAAAAAAAAAAAAAAAAAAAAAAAAABQAAAAAAAAAwMD/AAAAAABkAAAAMgAAAAAAAABkAAAAAAAAAH9/fwAKAAAAIgAAABgAAAAAAAAAAAAAAAAAAAAAAAAAAAAAAAAAAAAkAAAAJAAAAAAAAAAHAAAAAAAAAAAAAAAAAAAAAAAAAAAAAAAAAAAAf39/ACUAAABYAAAAAAAAAAAAAAAAAAAAAAAAAAAAAAAAAAAAAAAAAAAAAAAAAAAAAAAAAAAAAAA/AAAAAAAAAKCGAQAAAAAAAAAAAAAAAAAMAAAAAQAAAAAAAAAAAAAAAAAAAB8AAABUAAAAAAAABQAAAAEAAAAAAAAAAAAAAAAAAAAAAAAAAAAAAAAAAAAAAAAAAAAAAAJ/f38AAAAAA8zMzADAwP8Af39/AAAAAAAAAAAAAAAAAAAAAAAAAAAAIQAAABgAAAAUAAAAoRkAABsnAABfMQAAWSkAABAAAAAmAAAACAAAAAAAAAAAAAAA"/>
+                <pr:smNativeData xmlns="smNativeData" xmlns:pr="smNativeData" xmlns:p15="http://schemas.microsoft.com/office/powerpoint/2012/main" xmlns:p14="http://schemas.microsoft.com/office/powerpoint/2010/main" xmlns:mc="http://schemas.openxmlformats.org/markup-compatibility/2006" val="SMDATA_15_wwJCaRMAAAAlAAAAZAAAAA8BAAAAkAAAAEgAAACQAAAASAAAAAAAAAABAAAAAAAAAAEAAABQAAAAAAAAAAAA4D8AAAAAAADgPwAAAAAAAOA/AAAAAAAA4D8AAAAAAADgPwAAAAAAAOA/AAAAAAAA4D8AAAAAAADgPwAAAAAAAOA/AAAAAAAA4D8CAAAAjAAAAAAAAAAAAAAAu+DjDP///wgAAAAAAAAAAAAAAAAAAAAAAAAAAAAAAAAAAAAAZAAAAAEAAABAAAAAAAAAAAAAAAAAAAAAAAAAAAAAAAAAAAAAAAAAAAAAAAAAAAAAAAAAAAAAAAAAAAAAAAAAAAAAAAAAAAAAAAAAAAAAAAAAAAAAAAAAAAAAAAAAAAAAFAAAADwAAAAAAAAAAAAAAAAAAAkUAAAAAQAAABQAAAAUAAAAFAAAAAEAAAAAAAAAZAAAAGQAAAAAAAAAZAAAAGQAAAAVAAAAYAAAAAAAAAAAAAAADwAAACADAAAAAAAAAAAAAAEAAACgMgAAVgcAAKr4//8BAAAAf39/AAEAAABkAAAAAAAAABQAAABAHwAAAAAAACYAAAAAAAAAwOD//wAAAAAmAAAAZAAAABYAAABMAAAAAAAAAAAAAAAEAAAAAAAAAAEAAACAgIAKAAAAACgAAAAoAAAAZAAAAGQAAAAAAAAAzMzMAAAAAABQAAAAUAAAAGQAAABkAAAAAAAAABcAAAAUAAAAAAAAAAAAAAD/fwAA/38AAAAAAAAJAAAABAAAANw7IAEeAAAAaAAAAAAAAAAAAAAAAAAAAAAAAAAAAAAAECcAABAnAAAAAAAAAAAAAAAAAAAAAAAAAAAAAAAAAAAAAAAAAAAAABQAAAAAAAAAwMD/AAAAAABkAAAAMgAAAAAAAABkAAAAAAAAAH9/fwAKAAAAIgAAABgAAAAAAAAAAAAAAAAAAAAAAAAAAAAAAAAAAAAkAAAAJAAAAAAAAAAHAAAAAAAAAAAAAAAAAAAAAAAAAAAAAAAAAAAAf39/ACUAAABYAAAAAAAAAAAAAAAAAAAAAAAAAAAAAAAAAAAAAAAAAAAAAAAAAAAAAAAAAAAAAAA/AAAAAAAAAKCGAQAAAAAAAAAAAAAAAAAMAAAAAQAAAAAAAAAAAAAAAAAAAB8AAABUAAAAAAAABQAAAAEAAAAAAAAAAAAAAAAAAAAAAAAAAAAAAAAAAAAAAAAAAAAAAAJ/f38AAAAAA8zMzADAwP8Af39/AAAAAAAAAAAAAAAAAAAAAAAAAAAAIQAAABgAAAAUAAAAoRkAABsnAABfMQAAWSkAABAAAAAmAAAACAAAAAAAAAAAAAAA"/>
               </a:ext>
             </a:extLst>
           </p:cNvSpPr>
@@ -1458,7 +1455,7 @@
           <a:bodyPr/>
           <a:lstStyle/>
           <a:p>
-            <a:pPr/>
+            <a:endParaRPr/>
           </a:p>
         </p:txBody>
       </p:sp>
@@ -1469,7 +1466,7 @@
             <a:spLocks noGrp="1" noChangeArrowheads="1"/>
             <a:extLst>
               <a:ext uri="smNativeData">
-                <pr:smNativeData xmlns:pr="smNativeData" xmlns="smNativeData" val="SMDATA_15_wwJCaRMAAAAlAAAAZAAAAA8BAAAAkAAAAEgAAACQAAAASAAAAAAAAAABAAAAAAAAAAEAAABQAAAAAAAAAAAA4D8AAAAAAADgPwAAAAAAAOA/AAAAAAAA4D8AAAAAAADgPwAAAAAAAOA/AAAAAAAA4D8AAAAAAADgPwAAAAAAAOA/AAAAAAAA4D8CAAAAjAAAAAAAAAAAAAAAu+DjDP///wgAAAAAAAAAAAAAAAAAAAAAAAAAAAAAAAAAAAAAZAAAAAEAAABAAAAAAAAAAAAAAAAAAAAAAAAAAAAAAAAAAAAAAAAAAAAAAAAAAAAAAAAAAAAAAAAAAAAAAAAAAAAAAAAAAAAAAAAAAAAAAAAAAAAAAAAAAAAAAAAAAAAAFAAAADwAAAAAAAAAAAAAAAAAAAkUAAAAAQAAABQAAAAUAAAAFAAAAAEAAAAAAAAAZAAAAGQAAAAAAAAAZAAAAGQAAAAVAAAAYAAAAAAAAAAAAAAADwAAACADAAAAAAAAAAAAAAEAAACgMgAAVgcAAKr4//8BAAAAf39/AAEAAABkAAAAAAAAABQAAABAHwAAAAAAACYAAAAAAAAAwOD//wAAAAAmAAAAZAAAABYAAABMAAAAAAAAAAAAAAAEAAAAAAAAAAEAAACAgIAKAAAAACgAAAAoAAAAZAAAAGQAAAAAAAAAzMzMAAAAAABQAAAAUAAAAGQAAABkAAAAAAAAABcAAAAUAAAAAAAAAAAAAAD/fwAA/38AAAAAAAAJAAAABAAAANw7IAEeAAAAaAAAAAAAAAAAAAAAAAAAAAAAAAAAAAAAECcAABAnAAAAAAAAAAAAAAAAAAAAAAAAAAAAAAAAAAAAAAAAAAAAABQAAAAAAAAAwMD/AAAAAABkAAAAMgAAAAAAAABkAAAAAAAAAH9/fwAKAAAAIgAAABgAAAAAAAAAAAAAAAAAAAAAAAAAAAAAAAAAAAAkAAAAJAAAAAAAAAAHAAAAAAAAAAAAAAAAAAAAAAAAAAAAAAAAAAAAf39/ACUAAABYAAAAAAAAAAAAAAAAAAAAAAAAAAAAAAAAAAAAAAAAAAAAAAAAAAAAAAAAAAAAAAA/AAAAAAAAAKCGAQAAAAAAAAAAAAAAAAAMAAAAAQAAAAAAAAAAAAAAAAAAAB8AAABUAAAAAAAABQAAAAEAAAAAAAAAAAAAAAAAAAAAAAAAAAAAAAAAAAAAAAAAAAAAAAJ/f38AAAAAA8zMzADAwP8Af39/AAAAAAAAAAAAAAAAAAAAAAAAAAAAIQAAABgAAAAUAAAAwTUAABsnAABARwAAWSkAABAAAAAmAAAACAAAAAAAAAAAAAAA"/>
+                <pr:smNativeData xmlns="smNativeData" xmlns:pr="smNativeData" xmlns:p15="http://schemas.microsoft.com/office/powerpoint/2012/main" xmlns:p14="http://schemas.microsoft.com/office/powerpoint/2010/main" xmlns:mc="http://schemas.openxmlformats.org/markup-compatibility/2006" val="SMDATA_15_wwJCaRMAAAAlAAAAZAAAAA8BAAAAkAAAAEgAAACQAAAASAAAAAAAAAABAAAAAAAAAAEAAABQAAAAAAAAAAAA4D8AAAAAAADgPwAAAAAAAOA/AAAAAAAA4D8AAAAAAADgPwAAAAAAAOA/AAAAAAAA4D8AAAAAAADgPwAAAAAAAOA/AAAAAAAA4D8CAAAAjAAAAAAAAAAAAAAAu+DjDP///wgAAAAAAAAAAAAAAAAAAAAAAAAAAAAAAAAAAAAAZAAAAAEAAABAAAAAAAAAAAAAAAAAAAAAAAAAAAAAAAAAAAAAAAAAAAAAAAAAAAAAAAAAAAAAAAAAAAAAAAAAAAAAAAAAAAAAAAAAAAAAAAAAAAAAAAAAAAAAAAAAAAAAFAAAADwAAAAAAAAAAAAAAAAAAAkUAAAAAQAAABQAAAAUAAAAFAAAAAEAAAAAAAAAZAAAAGQAAAAAAAAAZAAAAGQAAAAVAAAAYAAAAAAAAAAAAAAADwAAACADAAAAAAAAAAAAAAEAAACgMgAAVgcAAKr4//8BAAAAf39/AAEAAABkAAAAAAAAABQAAABAHwAAAAAAACYAAAAAAAAAwOD//wAAAAAmAAAAZAAAABYAAABMAAAAAAAAAAAAAAAEAAAAAAAAAAEAAACAgIAKAAAAACgAAAAoAAAAZAAAAGQAAAAAAAAAzMzMAAAAAABQAAAAUAAAAGQAAABkAAAAAAAAABcAAAAUAAAAAAAAAAAAAAD/fwAA/38AAAAAAAAJAAAABAAAANw7IAEeAAAAaAAAAAAAAAAAAAAAAAAAAAAAAAAAAAAAECcAABAnAAAAAAAAAAAAAAAAAAAAAAAAAAAAAAAAAAAAAAAAAAAAABQAAAAAAAAAwMD/AAAAAABkAAAAMgAAAAAAAABkAAAAAAAAAH9/fwAKAAAAIgAAABgAAAAAAAAAAAAAAAAAAAAAAAAAAAAAAAAAAAAkAAAAJAAAAAAAAAAHAAAAAAAAAAAAAAAAAAAAAAAAAAAAAAAAAAAAf39/ACUAAABYAAAAAAAAAAAAAAAAAAAAAAAAAAAAAAAAAAAAAAAAAAAAAAAAAAAAAAAAAAAAAAA/AAAAAAAAAKCGAQAAAAAAAAAAAAAAAAAMAAAAAQAAAAAAAAAAAAAAAAAAAB8AAABUAAAAAAAABQAAAAEAAAAAAAAAAAAAAAAAAAAAAAAAAAAAAAAAAAAAAAAAAAAAAAJ/f38AAAAAA8zMzADAwP8Af39/AAAAAAAAAAAAAAAAAAAAAAAAAAAAIQAAABgAAAAUAAAAwTUAABsnAABARwAAWSkAABAAAAAmAAAACAAAAAAAAAAAAAAA"/>
               </a:ext>
             </a:extLst>
           </p:cNvSpPr>
@@ -1482,10 +1479,10 @@
           <a:bodyPr/>
           <a:lstStyle/>
           <a:p>
-            <a:pPr/>
             <a:fld id="{2B3A1267-29C6-6FE4-8882-DFB15CCC7E8A}" type="slidenum">
-              <a:t/>
+              <a:t>‹#›</a:t>
             </a:fld>
+            <a:endParaRPr/>
           </a:p>
         </p:txBody>
       </p:sp>
@@ -1499,7 +1496,7 @@
 </file>
 
 <file path=ppt/slideLayouts/slideLayout5.xml><?xml version="1.0" encoding="utf-8"?>
-<p:sldLayout xmlns:p="http://schemas.openxmlformats.org/presentationml/2006/main" xmlns:mc="http://schemas.openxmlformats.org/markup-compatibility/2006" xmlns:p14="http://schemas.microsoft.com/office/powerpoint/2010/main" xmlns:p15="http://schemas.microsoft.com/office/powerpoint/2012/main" xmlns:r="http://schemas.openxmlformats.org/officeDocument/2006/relationships" xmlns:a="http://schemas.openxmlformats.org/drawingml/2006/main" type="twoTxTwoObj">
+<p:sldLayout xmlns:a="http://schemas.openxmlformats.org/drawingml/2006/main" xmlns:r="http://schemas.openxmlformats.org/officeDocument/2006/relationships" xmlns:p="http://schemas.openxmlformats.org/presentationml/2006/main" type="twoTxTwoObj">
   <p:cSld name="Comparison">
     <p:spTree>
       <p:nvGrpSpPr>
@@ -1522,7 +1519,7 @@
             <a:spLocks noGrp="1" noChangeArrowheads="1"/>
             <a:extLst>
               <a:ext uri="smNativeData">
-                <pr:smNativeData xmlns:pr="smNativeData" xmlns="smNativeData" val="SMDATA_15_wwJCaRMAAAAlAAAAZAAAAA8BAAAAkAAAAEgAAACQAAAASAAAAAAAAAABAAAAAAAAAAEAAABQAAAAAAAAAAAA4D8AAAAAAADgPwAAAAAAAOA/AAAAAAAA4D8AAAAAAADgPwAAAAAAAOA/AAAAAAAA4D8AAAAAAADgPwAAAAAAAOA/AAAAAAAA4D8CAAAAjAAAAAAAAAAAAAAAu+DjDP///wgAAAAAAAAAAAAAAAAAAAAAAAAAAAAAAAAAAAAAZAAAAAEAAABAAAAAAAAAAAAAAAAAAAAAAAAAAAAAAAAAAAAAAAAAAAAAAAAAAAAAAAAAAAAAAAAAAAAAAAAAAAAAAAAAAAAAAAAAAAAAAAAAAAAAAAAAAAAAAAAAAAAAFAAAADwAAAAAAAAAAAAAAAAAAAkUAAAAAQAAABQAAAAUAAAAFAAAAAEAAAAAAAAAZAAAAGQAAAAAAAAAZAAAAGQAAAAVAAAAYAAAAAAAAAAAAAAADwAAACADAAAAAAAAAAAAAAEAAACgMgAAVgcAAKr4//8BAAAAf39/AAEAAABkAAAAAAAAABQAAABAHwAAAAAAACYAAAAAAAAAwOD//wAAAAAmAAAAZAAAABYAAABMAAAAAAAAAAAAAAAEAAAAAAAAAAEAAACAgIAKAAAAACgAAAAoAAAAZAAAAGQAAAAAAAAAzMzMAAAAAABQAAAAUAAAAGQAAABkAAAAAAAAABcAAAAUAAAAAAAAAAAAAAD/fwAA/38AAAAAAAAJAAAABAAAANw7IAEeAAAAaAAAAAAAAAAAAAAAAAAAAAAAAAAAAAAAECcAABAnAAAAAAAAAAAAAAAAAAAAAAAAAAAAAAAAAAAAAAAAAAAAABQAAAAAAAAAwMD/AAAAAABkAAAAMgAAAAAAAABkAAAAAAAAAH9/fwAKAAAAIgAAABgAAAAAAAAAAAAAAAAAAAAAAAAAAAAAAAAAAAAkAAAAJAAAAAAAAAAHAAAAAAAAAAAAAAAAAAAAAAAAAAAAAAAAAAAAf39/ACUAAABYAAAAAAAAAAAAAAAAAAAAAAAAAAAAAAAAAAAAAAAAAAAAAAAAAAAAAAAAAAAAAAA/AAAAAAAAAKCGAQAAAAAAAAAAAAAAAAAMAAAAAQAAAAAAAAAAAAAAAAAAAB8AAABUAAAAAAAABQAAAAEAAAAAAAAAAAAAAAAAAAAAAAAAAAAAAAAAAAAAAAAAAAAAAAJ/f38AAAAAA8zMzADAwP8Af39/AAAAAAAAAAAAAAAAAAAAAAAAAAAAIQAAABgAAAAUAAAAwAMAALABAABARwAAuAgAABAAAAAmAAAACAAAAAAAAAAAAAAA"/>
+                <pr:smNativeData xmlns="smNativeData" xmlns:pr="smNativeData" xmlns:p15="http://schemas.microsoft.com/office/powerpoint/2012/main" xmlns:p14="http://schemas.microsoft.com/office/powerpoint/2010/main" xmlns:mc="http://schemas.openxmlformats.org/markup-compatibility/2006" val="SMDATA_15_wwJCaRMAAAAlAAAAZAAAAA8BAAAAkAAAAEgAAACQAAAASAAAAAAAAAABAAAAAAAAAAEAAABQAAAAAAAAAAAA4D8AAAAAAADgPwAAAAAAAOA/AAAAAAAA4D8AAAAAAADgPwAAAAAAAOA/AAAAAAAA4D8AAAAAAADgPwAAAAAAAOA/AAAAAAAA4D8CAAAAjAAAAAAAAAAAAAAAu+DjDP///wgAAAAAAAAAAAAAAAAAAAAAAAAAAAAAAAAAAAAAZAAAAAEAAABAAAAAAAAAAAAAAAAAAAAAAAAAAAAAAAAAAAAAAAAAAAAAAAAAAAAAAAAAAAAAAAAAAAAAAAAAAAAAAAAAAAAAAAAAAAAAAAAAAAAAAAAAAAAAAAAAAAAAFAAAADwAAAAAAAAAAAAAAAAAAAkUAAAAAQAAABQAAAAUAAAAFAAAAAEAAAAAAAAAZAAAAGQAAAAAAAAAZAAAAGQAAAAVAAAAYAAAAAAAAAAAAAAADwAAACADAAAAAAAAAAAAAAEAAACgMgAAVgcAAKr4//8BAAAAf39/AAEAAABkAAAAAAAAABQAAABAHwAAAAAAACYAAAAAAAAAwOD//wAAAAAmAAAAZAAAABYAAABMAAAAAAAAAAAAAAAEAAAAAAAAAAEAAACAgIAKAAAAACgAAAAoAAAAZAAAAGQAAAAAAAAAzMzMAAAAAABQAAAAUAAAAGQAAABkAAAAAAAAABcAAAAUAAAAAAAAAAAAAAD/fwAA/38AAAAAAAAJAAAABAAAANw7IAEeAAAAaAAAAAAAAAAAAAAAAAAAAAAAAAAAAAAAECcAABAnAAAAAAAAAAAAAAAAAAAAAAAAAAAAAAAAAAAAAAAAAAAAABQAAAAAAAAAwMD/AAAAAABkAAAAMgAAAAAAAABkAAAAAAAAAH9/fwAKAAAAIgAAABgAAAAAAAAAAAAAAAAAAAAAAAAAAAAAAAAAAAAkAAAAJAAAAAAAAAAHAAAAAAAAAAAAAAAAAAAAAAAAAAAAAAAAAAAAf39/ACUAAABYAAAAAAAAAAAAAAAAAAAAAAAAAAAAAAAAAAAAAAAAAAAAAAAAAAAAAAAAAAAAAAA/AAAAAAAAAKCGAQAAAAAAAAAAAAAAAAAMAAAAAQAAAAAAAAAAAAAAAAAAAB8AAABUAAAAAAAABQAAAAEAAAAAAAAAAAAAAAAAAAAAAAAAAAAAAAAAAAAAAAAAAAAAAAJ/f38AAAAAA8zMzADAwP8Af39/AAAAAAAAAAAAAAAAAAAAAAAAAAAAIQAAABgAAAAUAAAAwAMAALABAABARwAAuAgAABAAAAAmAAAACAAAAAAAAAAAAAAA"/>
               </a:ext>
             </a:extLst>
           </p:cNvSpPr>
@@ -1535,7 +1532,6 @@
           <a:bodyPr/>
           <a:lstStyle/>
           <a:p>
-            <a:pPr/>
             <a:r>
               <a:t>Click to edit Master title style</a:t>
             </a:r>
@@ -1549,7 +1545,7 @@
             <a:spLocks noGrp="1" noChangeArrowheads="1"/>
             <a:extLst>
               <a:ext uri="smNativeData">
-                <pr:smNativeData xmlns:pr="smNativeData" xmlns="smNativeData" val="SMDATA_15_wwJCaRMAAAAlAAAAZAAAAA8BAAAAkAAAAEgAAACQAAAASAAAAAAAAAACAAAAAAAAAAEAAABQAAAAAAAAAAAA4D8AAAAAAADgPwAAAAAAAOA/AAAAAAAA4D8AAAAAAADgPwAAAAAAAOA/AAAAAAAA4D8AAAAAAADgPwAAAAAAAOA/AAAAAAAA4D8CAAAAjAAAAAAAAAAAAAAAu+DjDP///wgAAAAAAAAAAAAAAAAAAAAAAAAAAAAAAAAAAAAAZAAAAAEAAABAAAAAAAAAAAAAAAAAAAAAAAAAAAAAAAAAAAAAAAAAAAAAAAAAAAAAAAAAAAAAAAAAAAAAAAAAAAAAAAAAAAAAAAAAAAAAAAAAAAAAAAAAAAAAAAAAAAAAFAAAADwAAAAAAAAAAAAAAAAAAAkUAAAAAQAAABQAAAAUAAAAFAAAAAEAAAAAAAAAZAAAAGQAAAAAAAAAZAAAAGQAAAAVAAAAYAAAAAAAAAAAAAAADwAAACADAAAAAAAAAAAAAAEAAACgMgAAVgcAAKr4//8BAAAAf39/AAEAAABkAAAAAAAAABQAAABAHwAAAAAAACYAAAAAAAAAwOD//wAAAAAmAAAAZAAAABYAAABMAAAAAAAAAAAAAAAEAAAAAAAAAAEAAACAgIAKAAAAACgAAAAoAAAAZAAAAGQAAAAAAAAAzMzMAAAAAABQAAAAUAAAAGQAAABkAAAAAAAAABcAAAAUAAAAAAAAAAAAAAD/fwAA/38AAAAAAAAJAAAABAAAANw7IAEeAAAAaAAAAAAAAAAAAAAAAAAAAAAAAAAAAAAAECcAABAnAAAAAAAAAAAAAAAAAAAAAAAAAAAAAAAAAAAAAAAAAAAAABQAAAAAAAAAwMD/AAAAAABkAAAAMgAAAAAAAABkAAAAAAAAAH9/fwAKAAAAIgAAABgAAAAAAAAAAAAAAAAAAAAAAAAAAAAAAAAAAAAkAAAAJAAAAAAAAAAHAAAAAAAAAAAAAAAAAAAAAAAAAAAAAAAAAAAAf39/ACUAAABYAAAAAAAAAAAAAAAAAAAAAAAAAAAAAAAAAAAAAAAAAAAAAAAAAAAAAAAAAAAAAAA/AAAAAAAAAKCGAQAAAAAAAAAAAAAAAAAMAAAAAQAAAAAAAAAAAAAAAAAAAB8AAABUAAAAAAAABQAAAAEAAAAAAAAAAAAAAAAAAAAAAAAAAAAAAAAAAAAAAAAAAAAAAAJ/f38AAAAAA8zMzADAwP8Af39/AAAAAAAAAAAAAAAAAAAAAAAAAAAAIQAAABgAAAAUAAAAwAMAAHEJAADjJAAAYQ0AABAAAAAmAAAACAAAAIGAAAAAAAAA"/>
+                <pr:smNativeData xmlns="smNativeData" xmlns:pr="smNativeData" xmlns:p15="http://schemas.microsoft.com/office/powerpoint/2012/main" xmlns:p14="http://schemas.microsoft.com/office/powerpoint/2010/main" xmlns:mc="http://schemas.openxmlformats.org/markup-compatibility/2006" val="SMDATA_15_wwJCaRMAAAAlAAAAZAAAAA8BAAAAkAAAAEgAAACQAAAASAAAAAAAAAACAAAAAAAAAAEAAABQAAAAAAAAAAAA4D8AAAAAAADgPwAAAAAAAOA/AAAAAAAA4D8AAAAAAADgPwAAAAAAAOA/AAAAAAAA4D8AAAAAAADgPwAAAAAAAOA/AAAAAAAA4D8CAAAAjAAAAAAAAAAAAAAAu+DjDP///wgAAAAAAAAAAAAAAAAAAAAAAAAAAAAAAAAAAAAAZAAAAAEAAABAAAAAAAAAAAAAAAAAAAAAAAAAAAAAAAAAAAAAAAAAAAAAAAAAAAAAAAAAAAAAAAAAAAAAAAAAAAAAAAAAAAAAAAAAAAAAAAAAAAAAAAAAAAAAAAAAAAAAFAAAADwAAAAAAAAAAAAAAAAAAAkUAAAAAQAAABQAAAAUAAAAFAAAAAEAAAAAAAAAZAAAAGQAAAAAAAAAZAAAAGQAAAAVAAAAYAAAAAAAAAAAAAAADwAAACADAAAAAAAAAAAAAAEAAACgMgAAVgcAAKr4//8BAAAAf39/AAEAAABkAAAAAAAAABQAAABAHwAAAAAAACYAAAAAAAAAwOD//wAAAAAmAAAAZAAAABYAAABMAAAAAAAAAAAAAAAEAAAAAAAAAAEAAACAgIAKAAAAACgAAAAoAAAAZAAAAGQAAAAAAAAAzMzMAAAAAABQAAAAUAAAAGQAAABkAAAAAAAAABcAAAAUAAAAAAAAAAAAAAD/fwAA/38AAAAAAAAJAAAABAAAANw7IAEeAAAAaAAAAAAAAAAAAAAAAAAAAAAAAAAAAAAAECcAABAnAAAAAAAAAAAAAAAAAAAAAAAAAAAAAAAAAAAAAAAAAAAAABQAAAAAAAAAwMD/AAAAAABkAAAAMgAAAAAAAABkAAAAAAAAAH9/fwAKAAAAIgAAABgAAAAAAAAAAAAAAAAAAAAAAAAAAAAAAAAAAAAkAAAAJAAAAAAAAAAHAAAAAAAAAAAAAAAAAAAAAAAAAAAAAAAAAAAAf39/ACUAAABYAAAAAAAAAAAAAAAAAAAAAAAAAAAAAAAAAAAAAAAAAAAAAAAAAAAAAAAAAAAAAAA/AAAAAAAAAKCGAQAAAAAAAAAAAAAAAAAMAAAAAQAAAAAAAAAAAAAAAAAAAB8AAABUAAAAAAAABQAAAAEAAAAAAAAAAAAAAAAAAAAAAAAAAAAAAAAAAAAAAAAAAAAAAAJ/f38AAAAAA8zMzADAwP8Af39/AAAAAAAAAAAAAAAAAAAAAAAAAAAAIQAAABgAAAAUAAAAwAMAAHEJAADjJAAAYQ0AABAAAAAmAAAACAAAAIGAAAAAAAAA"/>
               </a:ext>
             </a:extLst>
           </p:cNvSpPr>
@@ -1608,7 +1604,6 @@
             </a:lvl9pPr>
           </a:lstStyle>
           <a:p>
-            <a:pPr/>
             <a:r>
               <a:t>Click to edit Master text styles</a:t>
             </a:r>
@@ -1622,7 +1617,7 @@
             <a:spLocks noGrp="1" noChangeArrowheads="1"/>
             <a:extLst>
               <a:ext uri="smNativeData">
-                <pr:smNativeData xmlns:pr="smNativeData" xmlns="smNativeData" val="SMDATA_15_wwJCaRMAAAAlAAAAZAAAAA8BAAAAkAAAAEgAAACQAAAASAAAAAAAAAAAAAAAAAAAAAEAAABQAAAAAAAAAAAA4D8AAAAAAADgPwAAAAAAAOA/AAAAAAAA4D8AAAAAAADgPwAAAAAAAOA/AAAAAAAA4D8AAAAAAADgPwAAAAAAAOA/AAAAAAAA4D8CAAAAjAAAAAAAAAAAAAAAu+DjDP///wgAAAAAAAAAAAAAAAAAAAAAAAAAAAAAAAAAAAAAZAAAAAEAAABAAAAAAAAAAAAAAAAAAAAAAAAAAAAAAAAAAAAAAAAAAAAAAAAAAAAAAAAAAAAAAAAAAAAAAAAAAAAAAAAAAAAAAAAAAAAAAAAAAAAAAAAAAAAAAAAAAAAAFAAAADwAAAAAAAAAAAAAAAAAAAkUAAAAAQAAABQAAAAUAAAAFAAAAAEAAAAAAAAAZAAAAGQAAAAAAAAAZAAAAGQAAAAVAAAAYAAAAAAAAAAAAAAADwAAACADAAAAAAAAAAAAAAEAAACgMgAAVgcAAKr4//8BAAAAf39/AAEAAABkAAAAAAAAABQAAABAHwAAAAAAACYAAAAAAAAAwOD//wAAAAAmAAAAZAAAABYAAABMAAAAAAAAAAAAAAAEAAAAAAAAAAEAAACAgIAKAAAAACgAAAAoAAAAZAAAAGQAAAAAAAAAzMzMAAAAAABQAAAAUAAAAGQAAABkAAAAAAAAABcAAAAUAAAAAAAAAAAAAAD/fwAA/38AAAAAAAAJAAAABAAAANw7IAEeAAAAaAAAAAAAAAAAAAAAAAAAAAAAAAAAAAAAECcAABAnAAAAAAAAAAAAAAAAAAAAAAAAAAAAAAAAAAAAAAAAAAAAABQAAAAAAAAAwMD/AAAAAABkAAAAMgAAAAAAAABkAAAAAAAAAH9/fwAKAAAAIgAAABgAAAAAAAAAAAAAAAAAAAAAAAAAAAAAAAAAAAAkAAAAJAAAAAAAAAAHAAAAAAAAAAAAAAAAAAAAAAAAAAAAAAAAAAAAf39/ACUAAABYAAAAAAAAAAAAAAAAAAAAAAAAAAAAAAAAAAAAAAAAAAAAAAAAAAAAAAAAAAAAAAA/AAAAAAAAAKCGAQAAAAAAAAAAAAAAAAAMAAAAAQAAAAAAAAAAAAAAAAAAAB8AAABUAAAAAAAABQAAAAEAAAAAAAAAAAAAAAAAAAAAAAAAAAAAAAAAAAAAAAAAAAAAAAJ/f38AAAAAA8zMzADAwP8Af39/AAAAAAAAAAAAAAAAAAAAAAAAAAAAIQAAABgAAAAUAAAAwAMAAGENAADjJAAAsCUAABAAAAAmAAAACAAAAAGAAAAAAAAA"/>
+                <pr:smNativeData xmlns="smNativeData" xmlns:pr="smNativeData" xmlns:p15="http://schemas.microsoft.com/office/powerpoint/2012/main" xmlns:p14="http://schemas.microsoft.com/office/powerpoint/2010/main" xmlns:mc="http://schemas.openxmlformats.org/markup-compatibility/2006" val="SMDATA_15_wwJCaRMAAAAlAAAAZAAAAA8BAAAAkAAAAEgAAACQAAAASAAAAAAAAAAAAAAAAAAAAAEAAABQAAAAAAAAAAAA4D8AAAAAAADgPwAAAAAAAOA/AAAAAAAA4D8AAAAAAADgPwAAAAAAAOA/AAAAAAAA4D8AAAAAAADgPwAAAAAAAOA/AAAAAAAA4D8CAAAAjAAAAAAAAAAAAAAAu+DjDP///wgAAAAAAAAAAAAAAAAAAAAAAAAAAAAAAAAAAAAAZAAAAAEAAABAAAAAAAAAAAAAAAAAAAAAAAAAAAAAAAAAAAAAAAAAAAAAAAAAAAAAAAAAAAAAAAAAAAAAAAAAAAAAAAAAAAAAAAAAAAAAAAAAAAAAAAAAAAAAAAAAAAAAFAAAADwAAAAAAAAAAAAAAAAAAAkUAAAAAQAAABQAAAAUAAAAFAAAAAEAAAAAAAAAZAAAAGQAAAAAAAAAZAAAAGQAAAAVAAAAYAAAAAAAAAAAAAAADwAAACADAAAAAAAAAAAAAAEAAACgMgAAVgcAAKr4//8BAAAAf39/AAEAAABkAAAAAAAAABQAAABAHwAAAAAAACYAAAAAAAAAwOD//wAAAAAmAAAAZAAAABYAAABMAAAAAAAAAAAAAAAEAAAAAAAAAAEAAACAgIAKAAAAACgAAAAoAAAAZAAAAGQAAAAAAAAAzMzMAAAAAABQAAAAUAAAAGQAAABkAAAAAAAAABcAAAAUAAAAAAAAAAAAAAD/fwAA/38AAAAAAAAJAAAABAAAANw7IAEeAAAAaAAAAAAAAAAAAAAAAAAAAAAAAAAAAAAAECcAABAnAAAAAAAAAAAAAAAAAAAAAAAAAAAAAAAAAAAAAAAAAAAAABQAAAAAAAAAwMD/AAAAAABkAAAAMgAAAAAAAABkAAAAAAAAAH9/fwAKAAAAIgAAABgAAAAAAAAAAAAAAAAAAAAAAAAAAAAAAAAAAAAkAAAAJAAAAAAAAAAHAAAAAAAAAAAAAAAAAAAAAAAAAAAAAAAAAAAAf39/ACUAAABYAAAAAAAAAAAAAAAAAAAAAAAAAAAAAAAAAAAAAAAAAAAAAAAAAAAAAAAAAAAAAAA/AAAAAAAAAKCGAQAAAAAAAAAAAAAAAAAMAAAAAQAAAAAAAAAAAAAAAAAAAB8AAABUAAAAAAAABQAAAAEAAAAAAAAAAAAAAAAAAAAAAAAAAAAAAAAAAAAAAAAAAAAAAAJ/f38AAAAAA8zMzADAwP8Af39/AAAAAAAAAAAAAAAAAAAAAAAAAAAAIQAAABgAAAAUAAAAwAMAAGENAADjJAAAsCUAABAAAAAmAAAACAAAAAGAAAAAAAAA"/>
               </a:ext>
             </a:extLst>
           </p:cNvSpPr>
@@ -1668,7 +1663,6 @@
             </a:lvl9pPr>
           </a:lstStyle>
           <a:p>
-            <a:pPr/>
             <a:r>
               <a:t>Click to edit Master text styles</a:t>
             </a:r>
@@ -1706,7 +1700,7 @@
             <a:spLocks noGrp="1" noChangeArrowheads="1"/>
             <a:extLst>
               <a:ext uri="smNativeData">
-                <pr:smNativeData xmlns:pr="smNativeData" xmlns="smNativeData" val="SMDATA_15_wwJCaRMAAAAlAAAAZAAAAA8BAAAAkAAAAEgAAACQAAAASAAAAAAAAAACAAAAAAAAAAEAAABQAAAAAAAAAAAA4D8AAAAAAADgPwAAAAAAAOA/AAAAAAAA4D8AAAAAAADgPwAAAAAAAOA/AAAAAAAA4D8AAAAAAADgPwAAAAAAAOA/AAAAAAAA4D8CAAAAjAAAAAAAAAAAAAAAu+DjDP///wgAAAAAAAAAAAAAAAAAAAAAAAAAAAAAAAAAAAAAZAAAAAEAAABAAAAAAAAAAAAAAAAAAAAAAAAAAAAAAAAAAAAAAAAAAAAAAAAAAAAAAAAAAAAAAAAAAAAAAAAAAAAAAAAAAAAAAAAAAAAAAAAAAAAAAAAAAAAAAAAAAAAAFAAAADwAAAAAAAAAAAAAAAAAAAkUAAAAAQAAABQAAAAUAAAAFAAAAAEAAAAAAAAAZAAAAGQAAAAAAAAAZAAAAGQAAAAVAAAAYAAAAAAAAAAAAAAADwAAACADAAAAAAAAAAAAAAEAAACgMgAAVgcAAKr4//8BAAAAf39/AAEAAABkAAAAAAAAABQAAABAHwAAAAAAACYAAAAAAAAAwOD//wAAAAAmAAAAZAAAABYAAABMAAAAAAAAAAAAAAAEAAAAAAAAAAEAAACAgIAKAAAAACgAAAAoAAAAZAAAAGQAAAAAAAAAzMzMAAAAAABQAAAAUAAAAGQAAABkAAAAAAAAABcAAAAUAAAAAAAAAAAAAAD/fwAA/38AAAAAAAAJAAAABAAAANw7IAEeAAAAaAAAAAAAAAAAAAAAAAAAAAAAAAAAAAAAECcAABAnAAAAAAAAAAAAAAAAAAAAAAAAAAAAAAAAAAAAAAAAAAAAABQAAAAAAAAAwMD/AAAAAABkAAAAMgAAAAAAAABkAAAAAAAAAH9/fwAKAAAAIgAAABgAAAAAAAAAAAAAAAAAAAAAAAAAAAAAAAAAAAAkAAAAJAAAAAAAAAAHAAAAAAAAAAAAAAAAAAAAAAAAAAAAAAAAAAAAf39/ACUAAABYAAAAAAAAAAAAAAAAAAAAAAAAAAAAAAAAAAAAAAAAAAAAAAAAAAAAAAAAAAAAAAA/AAAAAAAAAKCGAQAAAAAAAAAAAAAAAAAMAAAAAQAAAAAAAAAAAAAAAAAAAB8AAABUAAAAAAAABQAAAAEAAAAAAAAAAAAAAAAAAAAAAAAAAAAAAAAAAAAAAAAAAAAAAAJ/f38AAAAAA8zMzADAwP8Af39/AAAAAAAAAAAAAAAAAAAAAAAAAAAAIQAAABgAAAAUAAAAHSYAAHEJAABARwAAYQ0AABAAAAAmAAAACAAAAIGAAAAAAAAA"/>
+                <pr:smNativeData xmlns="smNativeData" xmlns:pr="smNativeData" xmlns:p15="http://schemas.microsoft.com/office/powerpoint/2012/main" xmlns:p14="http://schemas.microsoft.com/office/powerpoint/2010/main" xmlns:mc="http://schemas.openxmlformats.org/markup-compatibility/2006" val="SMDATA_15_wwJCaRMAAAAlAAAAZAAAAA8BAAAAkAAAAEgAAACQAAAASAAAAAAAAAACAAAAAAAAAAEAAABQAAAAAAAAAAAA4D8AAAAAAADgPwAAAAAAAOA/AAAAAAAA4D8AAAAAAADgPwAAAAAAAOA/AAAAAAAA4D8AAAAAAADgPwAAAAAAAOA/AAAAAAAA4D8CAAAAjAAAAAAAAAAAAAAAu+DjDP///wgAAAAAAAAAAAAAAAAAAAAAAAAAAAAAAAAAAAAAZAAAAAEAAABAAAAAAAAAAAAAAAAAAAAAAAAAAAAAAAAAAAAAAAAAAAAAAAAAAAAAAAAAAAAAAAAAAAAAAAAAAAAAAAAAAAAAAAAAAAAAAAAAAAAAAAAAAAAAAAAAAAAAFAAAADwAAAAAAAAAAAAAAAAAAAkUAAAAAQAAABQAAAAUAAAAFAAAAAEAAAAAAAAAZAAAAGQAAAAAAAAAZAAAAGQAAAAVAAAAYAAAAAAAAAAAAAAADwAAACADAAAAAAAAAAAAAAEAAACgMgAAVgcAAKr4//8BAAAAf39/AAEAAABkAAAAAAAAABQAAABAHwAAAAAAACYAAAAAAAAAwOD//wAAAAAmAAAAZAAAABYAAABMAAAAAAAAAAAAAAAEAAAAAAAAAAEAAACAgIAKAAAAACgAAAAoAAAAZAAAAGQAAAAAAAAAzMzMAAAAAABQAAAAUAAAAGQAAABkAAAAAAAAABcAAAAUAAAAAAAAAAAAAAD/fwAA/38AAAAAAAAJAAAABAAAANw7IAEeAAAAaAAAAAAAAAAAAAAAAAAAAAAAAAAAAAAAECcAABAnAAAAAAAAAAAAAAAAAAAAAAAAAAAAAAAAAAAAAAAAAAAAABQAAAAAAAAAwMD/AAAAAABkAAAAMgAAAAAAAABkAAAAAAAAAH9/fwAKAAAAIgAAABgAAAAAAAAAAAAAAAAAAAAAAAAAAAAAAAAAAAAkAAAAJAAAAAAAAAAHAAAAAAAAAAAAAAAAAAAAAAAAAAAAAAAAAAAAf39/ACUAAABYAAAAAAAAAAAAAAAAAAAAAAAAAAAAAAAAAAAAAAAAAAAAAAAAAAAAAAAAAAAAAAA/AAAAAAAAAKCGAQAAAAAAAAAAAAAAAAAMAAAAAQAAAAAAAAAAAAAAAAAAAB8AAABUAAAAAAAABQAAAAEAAAAAAAAAAAAAAAAAAAAAAAAAAAAAAAAAAAAAAAAAAAAAAAJ/f38AAAAAA8zMzADAwP8Af39/AAAAAAAAAAAAAAAAAAAAAAAAAAAAIQAAABgAAAAUAAAAHSYAAHEJAABARwAAYQ0AABAAAAAmAAAACAAAAIGAAAAAAAAA"/>
               </a:ext>
             </a:extLst>
           </p:cNvSpPr>
@@ -1765,7 +1759,6 @@
             </a:lvl9pPr>
           </a:lstStyle>
           <a:p>
-            <a:pPr/>
             <a:r>
               <a:t>Click to edit Master text styles</a:t>
             </a:r>
@@ -1779,7 +1772,7 @@
             <a:spLocks noGrp="1" noChangeArrowheads="1"/>
             <a:extLst>
               <a:ext uri="smNativeData">
-                <pr:smNativeData xmlns:pr="smNativeData" xmlns="smNativeData" val="SMDATA_15_wwJCaRMAAAAlAAAAZAAAAA8BAAAAkAAAAEgAAACQAAAASAAAAAAAAAAAAAAAAAAAAAEAAABQAAAAAAAAAAAA4D8AAAAAAADgPwAAAAAAAOA/AAAAAAAA4D8AAAAAAADgPwAAAAAAAOA/AAAAAAAA4D8AAAAAAADgPwAAAAAAAOA/AAAAAAAA4D8CAAAAjAAAAAAAAAAAAAAAu+DjDP///wgAAAAAAAAAAAAAAAAAAAAAAAAAAAAAAAAAAAAAZAAAAAEAAABAAAAAAAAAAAAAAAAAAAAAAAAAAAAAAAAAAAAAAAAAAAAAAAAAAAAAAAAAAAAAAAAAAAAAAAAAAAAAAAAAAAAAAAAAAAAAAAAAAAAAAAAAAAAAAAAAAAAAFAAAADwAAAAAAAAAAAAAAAAAAAkUAAAAAQAAABQAAAAUAAAAFAAAAAEAAAAAAAAAZAAAAGQAAAAAAAAAZAAAAGQAAAAVAAAAYAAAAAAAAAAAAAAADwAAACADAAAAAAAAAAAAAAEAAACgMgAAVgcAAKr4//8BAAAAf39/AAEAAABkAAAAAAAAABQAAABAHwAAAAAAACYAAAAAAAAAwOD//wAAAAAmAAAAZAAAABYAAABMAAAAAAAAAAAAAAAEAAAAAAAAAAEAAACAgIAKAAAAACgAAAAoAAAAZAAAAGQAAAAAAAAAzMzMAAAAAABQAAAAUAAAAGQAAABkAAAAAAAAABcAAAAUAAAAAAAAAAAAAAD/fwAA/38AAAAAAAAJAAAABAAAANw7IAEeAAAAaAAAAAAAAAAAAAAAAAAAAAAAAAAAAAAAECcAABAnAAAAAAAAAAAAAAAAAAAAAAAAAAAAAAAAAAAAAAAAAAAAABQAAAAAAAAAwMD/AAAAAABkAAAAMgAAAAAAAABkAAAAAAAAAH9/fwAKAAAAIgAAABgAAAAAAAAAAAAAAAAAAAAAAAAAAAAAAAAAAAAkAAAAJAAAAAAAAAAHAAAAAAAAAAAAAAAAAAAAAAAAAAAAAAAAAAAAf39/ACUAAABYAAAAAAAAAAAAAAAAAAAAAAAAAAAAAAAAAAAAAAAAAAAAAAAAAAAAAAAAAAAAAAA/AAAAAAAAAKCGAQAAAAAAAAAAAAAAAAAMAAAAAQAAAAAAAAAAAAAAAAAAAB8AAABUAAAAAAAABQAAAAEAAAAAAAAAAAAAAAAAAAAAAAAAAAAAAAAAAAAAAAAAAAAAAAJ/f38AAAAAA8zMzADAwP8Af39/AAAAAAAAAAAAAAAAAAAAAAAAAAAAIQAAABgAAAAUAAAAHSYAAGENAABARwAAsCUAABAAAAAmAAAACAAAAAGAAAAAAAAA"/>
+                <pr:smNativeData xmlns="smNativeData" xmlns:pr="smNativeData" xmlns:p15="http://schemas.microsoft.com/office/powerpoint/2012/main" xmlns:p14="http://schemas.microsoft.com/office/powerpoint/2010/main" xmlns:mc="http://schemas.openxmlformats.org/markup-compatibility/2006" val="SMDATA_15_wwJCaRMAAAAlAAAAZAAAAA8BAAAAkAAAAEgAAACQAAAASAAAAAAAAAAAAAAAAAAAAAEAAABQAAAAAAAAAAAA4D8AAAAAAADgPwAAAAAAAOA/AAAAAAAA4D8AAAAAAADgPwAAAAAAAOA/AAAAAAAA4D8AAAAAAADgPwAAAAAAAOA/AAAAAAAA4D8CAAAAjAAAAAAAAAAAAAAAu+DjDP///wgAAAAAAAAAAAAAAAAAAAAAAAAAAAAAAAAAAAAAZAAAAAEAAABAAAAAAAAAAAAAAAAAAAAAAAAAAAAAAAAAAAAAAAAAAAAAAAAAAAAAAAAAAAAAAAAAAAAAAAAAAAAAAAAAAAAAAAAAAAAAAAAAAAAAAAAAAAAAAAAAAAAAFAAAADwAAAAAAAAAAAAAAAAAAAkUAAAAAQAAABQAAAAUAAAAFAAAAAEAAAAAAAAAZAAAAGQAAAAAAAAAZAAAAGQAAAAVAAAAYAAAAAAAAAAAAAAADwAAACADAAAAAAAAAAAAAAEAAACgMgAAVgcAAKr4//8BAAAAf39/AAEAAABkAAAAAAAAABQAAABAHwAAAAAAACYAAAAAAAAAwOD//wAAAAAmAAAAZAAAABYAAABMAAAAAAAAAAAAAAAEAAAAAAAAAAEAAACAgIAKAAAAACgAAAAoAAAAZAAAAGQAAAAAAAAAzMzMAAAAAABQAAAAUAAAAGQAAABkAAAAAAAAABcAAAAUAAAAAAAAAAAAAAD/fwAA/38AAAAAAAAJAAAABAAAANw7IAEeAAAAaAAAAAAAAAAAAAAAAAAAAAAAAAAAAAAAECcAABAnAAAAAAAAAAAAAAAAAAAAAAAAAAAAAAAAAAAAAAAAAAAAABQAAAAAAAAAwMD/AAAAAABkAAAAMgAAAAAAAABkAAAAAAAAAH9/fwAKAAAAIgAAABgAAAAAAAAAAAAAAAAAAAAAAAAAAAAAAAAAAAAkAAAAJAAAAAAAAAAHAAAAAAAAAAAAAAAAAAAAAAAAAAAAAAAAAAAAf39/ACUAAABYAAAAAAAAAAAAAAAAAAAAAAAAAAAAAAAAAAAAAAAAAAAAAAAAAAAAAAAAAAAAAAA/AAAAAAAAAKCGAQAAAAAAAAAAAAAAAAAMAAAAAQAAAAAAAAAAAAAAAAAAAB8AAABUAAAAAAAABQAAAAEAAAAAAAAAAAAAAAAAAAAAAAAAAAAAAAAAAAAAAAAAAAAAAAJ/f38AAAAAA8zMzADAwP8Af39/AAAAAAAAAAAAAAAAAAAAAAAAAAAAIQAAABgAAAAUAAAAHSYAAGENAABARwAAsCUAABAAAAAmAAAACAAAAAGAAAAAAAAA"/>
               </a:ext>
             </a:extLst>
           </p:cNvSpPr>
@@ -1825,7 +1818,6 @@
             </a:lvl9pPr>
           </a:lstStyle>
           <a:p>
-            <a:pPr/>
             <a:r>
               <a:t>Click to edit Master text styles</a:t>
             </a:r>
@@ -1863,7 +1855,7 @@
             <a:spLocks noGrp="1" noChangeArrowheads="1"/>
             <a:extLst>
               <a:ext uri="smNativeData">
-                <pr:smNativeData xmlns:pr="smNativeData" xmlns="smNativeData" val="SMDATA_15_wwJCaRMAAAAlAAAAZAAAAA8BAAAAkAAAAEgAAACQAAAASAAAAAAAAAABAAAAAAAAAAEAAABQAAAAAAAAAAAA4D8AAAAAAADgPwAAAAAAAOA/AAAAAAAA4D8AAAAAAADgPwAAAAAAAOA/AAAAAAAA4D8AAAAAAADgPwAAAAAAAOA/AAAAAAAA4D8CAAAAjAAAAAAAAAAAAAAAu+DjDP///wgAAAAAAAAAAAAAAAAAAAAAAAAAAAAAAAAAAAAAZAAAAAEAAABAAAAAAAAAAAAAAAAAAAAAAAAAAAAAAAAAAAAAAAAAAAAAAAAAAAAAAAAAAAAAAAAAAAAAAAAAAAAAAAAAAAAAAAAAAAAAAAAAAAAAAAAAAAAAAAAAAAAAFAAAADwAAAAAAAAAAAAAAAAAAAkUAAAAAQAAABQAAAAUAAAAFAAAAAEAAAAAAAAAZAAAAGQAAAAAAAAAZAAAAGQAAAAVAAAAYAAAAAAAAAAAAAAADwAAACADAAAAAAAAAAAAAAEAAACgMgAAVgcAAKr4//8BAAAAf39/AAEAAABkAAAAAAAAABQAAABAHwAAAAAAACYAAAAAAAAAwOD//wAAAAAmAAAAZAAAABYAAABMAAAAAAAAAAAAAAAEAAAAAAAAAAEAAACAgIAKAAAAACgAAAAoAAAAZAAAAGQAAAAAAAAAzMzMAAAAAABQAAAAUAAAAGQAAABkAAAAAAAAABcAAAAUAAAAAAAAAAAAAAD/fwAA/38AAAAAAAAJAAAABAAAANw7IAEeAAAAaAAAAAAAAAAAAAAAAAAAAAAAAAAAAAAAECcAABAnAAAAAAAAAAAAAAAAAAAAAAAAAAAAAAAAAAAAAAAAAAAAABQAAAAAAAAAwMD/AAAAAABkAAAAMgAAAAAAAABkAAAAAAAAAH9/fwAKAAAAIgAAABgAAAAAAAAAAAAAAAAAAAAAAAAAAAAAAAAAAAAkAAAAJAAAAAAAAAAHAAAAAAAAAAAAAAAAAAAAAAAAAAAAAAAAAAAAf39/ACUAAABYAAAAAAAAAAAAAAAAAAAAAAAAAAAAAAAAAAAAAAAAAAAAAAAAAAAAAAAAAAAAAAA/AAAAAAAAAKCGAQAAAAAAAAAAAAAAAAAMAAAAAQAAAAAAAAAAAAAAAAAAAB8AAABUAAAAAAAABQAAAAEAAAAAAAAAAAAAAAAAAAAAAAAAAAAAAAAAAAAAAAAAAAAAAAJ/f38AAAAAA8zMzADAwP8Af39/AAAAAAAAAAAAAAAAAAAAAAAAAAAAIQAAABgAAAAUAAAAwAMAABsnAAA/FQAAWSkAABAAAAAmAAAACAAAAAAAAAAAAAAA"/>
+                <pr:smNativeData xmlns="smNativeData" xmlns:pr="smNativeData" xmlns:p15="http://schemas.microsoft.com/office/powerpoint/2012/main" xmlns:p14="http://schemas.microsoft.com/office/powerpoint/2010/main" xmlns:mc="http://schemas.openxmlformats.org/markup-compatibility/2006" val="SMDATA_15_wwJCaRMAAAAlAAAAZAAAAA8BAAAAkAAAAEgAAACQAAAASAAAAAAAAAABAAAAAAAAAAEAAABQAAAAAAAAAAAA4D8AAAAAAADgPwAAAAAAAOA/AAAAAAAA4D8AAAAAAADgPwAAAAAAAOA/AAAAAAAA4D8AAAAAAADgPwAAAAAAAOA/AAAAAAAA4D8CAAAAjAAAAAAAAAAAAAAAu+DjDP///wgAAAAAAAAAAAAAAAAAAAAAAAAAAAAAAAAAAAAAZAAAAAEAAABAAAAAAAAAAAAAAAAAAAAAAAAAAAAAAAAAAAAAAAAAAAAAAAAAAAAAAAAAAAAAAAAAAAAAAAAAAAAAAAAAAAAAAAAAAAAAAAAAAAAAAAAAAAAAAAAAAAAAFAAAADwAAAAAAAAAAAAAAAAAAAkUAAAAAQAAABQAAAAUAAAAFAAAAAEAAAAAAAAAZAAAAGQAAAAAAAAAZAAAAGQAAAAVAAAAYAAAAAAAAAAAAAAADwAAACADAAAAAAAAAAAAAAEAAACgMgAAVgcAAKr4//8BAAAAf39/AAEAAABkAAAAAAAAABQAAABAHwAAAAAAACYAAAAAAAAAwOD//wAAAAAmAAAAZAAAABYAAABMAAAAAAAAAAAAAAAEAAAAAAAAAAEAAACAgIAKAAAAACgAAAAoAAAAZAAAAGQAAAAAAAAAzMzMAAAAAABQAAAAUAAAAGQAAABkAAAAAAAAABcAAAAUAAAAAAAAAAAAAAD/fwAA/38AAAAAAAAJAAAABAAAANw7IAEeAAAAaAAAAAAAAAAAAAAAAAAAAAAAAAAAAAAAECcAABAnAAAAAAAAAAAAAAAAAAAAAAAAAAAAAAAAAAAAAAAAAAAAABQAAAAAAAAAwMD/AAAAAABkAAAAMgAAAAAAAABkAAAAAAAAAH9/fwAKAAAAIgAAABgAAAAAAAAAAAAAAAAAAAAAAAAAAAAAAAAAAAAkAAAAJAAAAAAAAAAHAAAAAAAAAAAAAAAAAAAAAAAAAAAAAAAAAAAAf39/ACUAAABYAAAAAAAAAAAAAAAAAAAAAAAAAAAAAAAAAAAAAAAAAAAAAAAAAAAAAAAAAAAAAAA/AAAAAAAAAKCGAQAAAAAAAAAAAAAAAAAMAAAAAQAAAAAAAAAAAAAAAAAAAB8AAABUAAAAAAAABQAAAAEAAAAAAAAAAAAAAAAAAAAAAAAAAAAAAAAAAAAAAAAAAAAAAAJ/f38AAAAAA8zMzADAwP8Af39/AAAAAAAAAAAAAAAAAAAAAAAAAAAAIQAAABgAAAAUAAAAwAMAABsnAAA/FQAAWSkAABAAAAAmAAAACAAAAAAAAAAAAAAA"/>
               </a:ext>
             </a:extLst>
           </p:cNvSpPr>
@@ -1876,10 +1868,10 @@
           <a:bodyPr/>
           <a:lstStyle/>
           <a:p>
-            <a:pPr/>
             <a:fld id="{2B3A7D05-4BC6-6F8B-8882-BDDE33CC7EE8}" type="datetime1">
-              <a:t/>
+              <a:t>12/16/2025</a:t>
             </a:fld>
+            <a:endParaRPr/>
           </a:p>
         </p:txBody>
       </p:sp>
@@ -1890,7 +1882,7 @@
             <a:spLocks noGrp="1" noChangeArrowheads="1"/>
             <a:extLst>
               <a:ext uri="smNativeData">
-                <pr:smNativeData xmlns:pr="smNativeData" xmlns="smNativeData" val="SMDATA_15_wwJCaRMAAAAlAAAAZAAAAA8BAAAAkAAAAEgAAACQAAAASAAAAAAAAAABAAAAAAAAAAEAAABQAAAAAAAAAAAA4D8AAAAAAADgPwAAAAAAAOA/AAAAAAAA4D8AAAAAAADgPwAAAAAAAOA/AAAAAAAA4D8AAAAAAADgPwAAAAAAAOA/AAAAAAAA4D8CAAAAjAAAAAAAAAAAAAAAu+DjDP///wgAAAAAAAAAAAAAAAAAAAAAAAAAAAAAAAAAAAAAZAAAAAEAAABAAAAAAAAAAAAAAAAAAAAAAAAAAAAAAAAAAAAAAAAAAAAAAAAAAAAAAAAAAAAAAAAAAAAAAAAAAAAAAAAAAAAAAAAAAAAAAAAAAAAAAAAAAAAAAAAAAAAAFAAAADwAAAAAAAAAAAAAAAAAAAkUAAAAAQAAABQAAAAUAAAAFAAAAAEAAAAAAAAAZAAAAGQAAAAAAAAAZAAAAGQAAAAVAAAAYAAAAAAAAAAAAAAADwAAACADAAAAAAAAAAAAAAEAAACgMgAAVgcAAKr4//8BAAAAf39/AAEAAABkAAAAAAAAABQAAABAHwAAAAAAACYAAAAAAAAAwOD//wAAAAAmAAAAZAAAABYAAABMAAAAAAAAAAAAAAAEAAAAAAAAAAEAAACAgIAKAAAAACgAAAAoAAAAZAAAAGQAAAAAAAAAzMzMAAAAAABQAAAAUAAAAGQAAABkAAAAAAAAABcAAAAUAAAAAAAAAAAAAAD/fwAA/38AAAAAAAAJAAAABAAAANw7IAEeAAAAaAAAAAAAAAAAAAAAAAAAAAAAAAAAAAAAECcAABAnAAAAAAAAAAAAAAAAAAAAAAAAAAAAAAAAAAAAAAAAAAAAABQAAAAAAAAAwMD/AAAAAABkAAAAMgAAAAAAAABkAAAAAAAAAH9/fwAKAAAAIgAAABgAAAAAAAAAAAAAAAAAAAAAAAAAAAAAAAAAAAAkAAAAJAAAAAAAAAAHAAAAAAAAAAAAAAAAAAAAAAAAAAAAAAAAAAAAf39/ACUAAABYAAAAAAAAAAAAAAAAAAAAAAAAAAAAAAAAAAAAAAAAAAAAAAAAAAAAAAAAAAAAAAA/AAAAAAAAAKCGAQAAAAAAAAAAAAAAAAAMAAAAAQAAAAAAAAAAAAAAAAAAAB8AAABUAAAAAAAABQAAAAEAAAAAAAAAAAAAAAAAAAAAAAAAAAAAAAAAAAAAAAAAAAAAAAJ/f38AAAAAA8zMzADAwP8Af39/AAAAAAAAAAAAAAAAAAAAAAAAAAAAIQAAABgAAAAUAAAAoRkAABsnAABfMQAAWSkAABAAAAAmAAAACAAAAAAAAAAAAAAA"/>
+                <pr:smNativeData xmlns="smNativeData" xmlns:pr="smNativeData" xmlns:p15="http://schemas.microsoft.com/office/powerpoint/2012/main" xmlns:p14="http://schemas.microsoft.com/office/powerpoint/2010/main" xmlns:mc="http://schemas.openxmlformats.org/markup-compatibility/2006" val="SMDATA_15_wwJCaRMAAAAlAAAAZAAAAA8BAAAAkAAAAEgAAACQAAAASAAAAAAAAAABAAAAAAAAAAEAAABQAAAAAAAAAAAA4D8AAAAAAADgPwAAAAAAAOA/AAAAAAAA4D8AAAAAAADgPwAAAAAAAOA/AAAAAAAA4D8AAAAAAADgPwAAAAAAAOA/AAAAAAAA4D8CAAAAjAAAAAAAAAAAAAAAu+DjDP///wgAAAAAAAAAAAAAAAAAAAAAAAAAAAAAAAAAAAAAZAAAAAEAAABAAAAAAAAAAAAAAAAAAAAAAAAAAAAAAAAAAAAAAAAAAAAAAAAAAAAAAAAAAAAAAAAAAAAAAAAAAAAAAAAAAAAAAAAAAAAAAAAAAAAAAAAAAAAAAAAAAAAAFAAAADwAAAAAAAAAAAAAAAAAAAkUAAAAAQAAABQAAAAUAAAAFAAAAAEAAAAAAAAAZAAAAGQAAAAAAAAAZAAAAGQAAAAVAAAAYAAAAAAAAAAAAAAADwAAACADAAAAAAAAAAAAAAEAAACgMgAAVgcAAKr4//8BAAAAf39/AAEAAABkAAAAAAAAABQAAABAHwAAAAAAACYAAAAAAAAAwOD//wAAAAAmAAAAZAAAABYAAABMAAAAAAAAAAAAAAAEAAAAAAAAAAEAAACAgIAKAAAAACgAAAAoAAAAZAAAAGQAAAAAAAAAzMzMAAAAAABQAAAAUAAAAGQAAABkAAAAAAAAABcAAAAUAAAAAAAAAAAAAAD/fwAA/38AAAAAAAAJAAAABAAAANw7IAEeAAAAaAAAAAAAAAAAAAAAAAAAAAAAAAAAAAAAECcAABAnAAAAAAAAAAAAAAAAAAAAAAAAAAAAAAAAAAAAAAAAAAAAABQAAAAAAAAAwMD/AAAAAABkAAAAMgAAAAAAAABkAAAAAAAAAH9/fwAKAAAAIgAAABgAAAAAAAAAAAAAAAAAAAAAAAAAAAAAAAAAAAAkAAAAJAAAAAAAAAAHAAAAAAAAAAAAAAAAAAAAAAAAAAAAAAAAAAAAf39/ACUAAABYAAAAAAAAAAAAAAAAAAAAAAAAAAAAAAAAAAAAAAAAAAAAAAAAAAAAAAAAAAAAAAA/AAAAAAAAAKCGAQAAAAAAAAAAAAAAAAAMAAAAAQAAAAAAAAAAAAAAAAAAAB8AAABUAAAAAAAABQAAAAEAAAAAAAAAAAAAAAAAAAAAAAAAAAAAAAAAAAAAAAAAAAAAAAJ/f38AAAAAA8zMzADAwP8Af39/AAAAAAAAAAAAAAAAAAAAAAAAAAAAIQAAABgAAAAUAAAAoRkAABsnAABfMQAAWSkAABAAAAAmAAAACAAAAAAAAAAAAAAA"/>
               </a:ext>
             </a:extLst>
           </p:cNvSpPr>
@@ -1903,7 +1895,7 @@
           <a:bodyPr/>
           <a:lstStyle/>
           <a:p>
-            <a:pPr/>
+            <a:endParaRPr/>
           </a:p>
         </p:txBody>
       </p:sp>
@@ -1914,7 +1906,7 @@
             <a:spLocks noGrp="1" noChangeArrowheads="1"/>
             <a:extLst>
               <a:ext uri="smNativeData">
-                <pr:smNativeData xmlns:pr="smNativeData" xmlns="smNativeData" val="SMDATA_15_wwJCaRMAAAAlAAAAZAAAAA8BAAAAkAAAAEgAAACQAAAASAAAAAAAAAABAAAAAAAAAAEAAABQAAAAAAAAAAAA4D8AAAAAAADgPwAAAAAAAOA/AAAAAAAA4D8AAAAAAADgPwAAAAAAAOA/AAAAAAAA4D8AAAAAAADgPwAAAAAAAOA/AAAAAAAA4D8CAAAAjAAAAAAAAAAAAAAAu+DjDP///wgAAAAAAAAAAAAAAAAAAAAAAAAAAAAAAAAAAAAAZAAAAAEAAABAAAAAAAAAAAAAAAAAAAAAAAAAAAAAAAAAAAAAAAAAAAAAAAAAAAAAAAAAAAAAAAAAAAAAAAAAAAAAAAAAAAAAAAAAAAAAAAAAAAAAAAAAAAAAAAAAAAAAFAAAADwAAAAAAAAAAAAAAAAAAAkUAAAAAQAAABQAAAAUAAAAFAAAAAEAAAAAAAAAZAAAAGQAAAAAAAAAZAAAAGQAAAAVAAAAYAAAAAAAAAAAAAAADwAAACADAAAAAAAAAAAAAAEAAACgMgAAVgcAAKr4//8BAAAAf39/AAEAAABkAAAAAAAAABQAAABAHwAAAAAAACYAAAAAAAAAwOD//wAAAAAmAAAAZAAAABYAAABMAAAAAAAAAAAAAAAEAAAAAAAAAAEAAACAgIAKAAAAACgAAAAoAAAAZAAAAGQAAAAAAAAAzMzMAAAAAABQAAAAUAAAAGQAAABkAAAAAAAAABcAAAAUAAAAAAAAAAAAAAD/fwAA/38AAAAAAAAJAAAABAAAANw7IAEeAAAAaAAAAAAAAAAAAAAAAAAAAAAAAAAAAAAAECcAABAnAAAAAAAAAAAAAAAAAAAAAAAAAAAAAAAAAAAAAAAAAAAAABQAAAAAAAAAwMD/AAAAAABkAAAAMgAAAAAAAABkAAAAAAAAAH9/fwAKAAAAIgAAABgAAAAAAAAAAAAAAAAAAAAAAAAAAAAAAAAAAAAkAAAAJAAAAAAAAAAHAAAAAAAAAAAAAAAAAAAAAAAAAAAAAAAAAAAAf39/ACUAAABYAAAAAAAAAAAAAAAAAAAAAAAAAAAAAAAAAAAAAAAAAAAAAAAAAAAAAAAAAAAAAAA/AAAAAAAAAKCGAQAAAAAAAAAAAAAAAAAMAAAAAQAAAAAAAAAAAAAAAAAAAB8AAABUAAAAAAAABQAAAAEAAAAAAAAAAAAAAAAAAAAAAAAAAAAAAAAAAAAAAAAAAAAAAAJ/f38AAAAAA8zMzADAwP8Af39/AAAAAAAAAAAAAAAAAAAAAAAAAAAAIQAAABgAAAAUAAAAwTUAABsnAABARwAAWSkAABAAAAAmAAAACAAAAAAAAAAAAAAA"/>
+                <pr:smNativeData xmlns="smNativeData" xmlns:pr="smNativeData" xmlns:p15="http://schemas.microsoft.com/office/powerpoint/2012/main" xmlns:p14="http://schemas.microsoft.com/office/powerpoint/2010/main" xmlns:mc="http://schemas.openxmlformats.org/markup-compatibility/2006" val="SMDATA_15_wwJCaRMAAAAlAAAAZAAAAA8BAAAAkAAAAEgAAACQAAAASAAAAAAAAAABAAAAAAAAAAEAAABQAAAAAAAAAAAA4D8AAAAAAADgPwAAAAAAAOA/AAAAAAAA4D8AAAAAAADgPwAAAAAAAOA/AAAAAAAA4D8AAAAAAADgPwAAAAAAAOA/AAAAAAAA4D8CAAAAjAAAAAAAAAAAAAAAu+DjDP///wgAAAAAAAAAAAAAAAAAAAAAAAAAAAAAAAAAAAAAZAAAAAEAAABAAAAAAAAAAAAAAAAAAAAAAAAAAAAAAAAAAAAAAAAAAAAAAAAAAAAAAAAAAAAAAAAAAAAAAAAAAAAAAAAAAAAAAAAAAAAAAAAAAAAAAAAAAAAAAAAAAAAAFAAAADwAAAAAAAAAAAAAAAAAAAkUAAAAAQAAABQAAAAUAAAAFAAAAAEAAAAAAAAAZAAAAGQAAAAAAAAAZAAAAGQAAAAVAAAAYAAAAAAAAAAAAAAADwAAACADAAAAAAAAAAAAAAEAAACgMgAAVgcAAKr4//8BAAAAf39/AAEAAABkAAAAAAAAABQAAABAHwAAAAAAACYAAAAAAAAAwOD//wAAAAAmAAAAZAAAABYAAABMAAAAAAAAAAAAAAAEAAAAAAAAAAEAAACAgIAKAAAAACgAAAAoAAAAZAAAAGQAAAAAAAAAzMzMAAAAAABQAAAAUAAAAGQAAABkAAAAAAAAABcAAAAUAAAAAAAAAAAAAAD/fwAA/38AAAAAAAAJAAAABAAAANw7IAEeAAAAaAAAAAAAAAAAAAAAAAAAAAAAAAAAAAAAECcAABAnAAAAAAAAAAAAAAAAAAAAAAAAAAAAAAAAAAAAAAAAAAAAABQAAAAAAAAAwMD/AAAAAABkAAAAMgAAAAAAAABkAAAAAAAAAH9/fwAKAAAAIgAAABgAAAAAAAAAAAAAAAAAAAAAAAAAAAAAAAAAAAAkAAAAJAAAAAAAAAAHAAAAAAAAAAAAAAAAAAAAAAAAAAAAAAAAAAAAf39/ACUAAABYAAAAAAAAAAAAAAAAAAAAAAAAAAAAAAAAAAAAAAAAAAAAAAAAAAAAAAAAAAAAAAA/AAAAAAAAAKCGAQAAAAAAAAAAAAAAAAAMAAAAAQAAAAAAAAAAAAAAAAAAAB8AAABUAAAAAAAABQAAAAEAAAAAAAAAAAAAAAAAAAAAAAAAAAAAAAAAAAAAAAAAAAAAAAJ/f38AAAAAA8zMzADAwP8Af39/AAAAAAAAAAAAAAAAAAAAAAAAAAAAIQAAABgAAAAUAAAAwTUAABsnAABARwAAWSkAABAAAAAmAAAACAAAAAAAAAAAAAAA"/>
               </a:ext>
             </a:extLst>
           </p:cNvSpPr>
@@ -1927,10 +1919,10 @@
           <a:bodyPr/>
           <a:lstStyle/>
           <a:p>
-            <a:pPr/>
             <a:fld id="{2B3A5C6C-22C6-6FAA-8882-D4FF12CC7E81}" type="slidenum">
-              <a:t/>
+              <a:t>‹#›</a:t>
             </a:fld>
+            <a:endParaRPr/>
           </a:p>
         </p:txBody>
       </p:sp>
@@ -1944,7 +1936,7 @@
 </file>
 
 <file path=ppt/slideLayouts/slideLayout6.xml><?xml version="1.0" encoding="utf-8"?>
-<p:sldLayout xmlns:p="http://schemas.openxmlformats.org/presentationml/2006/main" xmlns:mc="http://schemas.openxmlformats.org/markup-compatibility/2006" xmlns:p14="http://schemas.microsoft.com/office/powerpoint/2010/main" xmlns:p15="http://schemas.microsoft.com/office/powerpoint/2012/main" xmlns:r="http://schemas.openxmlformats.org/officeDocument/2006/relationships" xmlns:a="http://schemas.openxmlformats.org/drawingml/2006/main" type="titleOnly">
+<p:sldLayout xmlns:a="http://schemas.openxmlformats.org/drawingml/2006/main" xmlns:r="http://schemas.openxmlformats.org/officeDocument/2006/relationships" xmlns:p="http://schemas.openxmlformats.org/presentationml/2006/main" type="titleOnly">
   <p:cSld name="Title only">
     <p:spTree>
       <p:nvGrpSpPr>
@@ -1967,7 +1959,7 @@
             <a:spLocks noGrp="1" noChangeArrowheads="1"/>
             <a:extLst>
               <a:ext uri="smNativeData">
-                <pr:smNativeData xmlns:pr="smNativeData" xmlns="smNativeData" val="SMDATA_15_wwJCaRMAAAAlAAAAZAAAAA8BAAAAkAAAAEgAAACQAAAASAAAAAAAAAABAAAAAAAAAAEAAABQAAAAAAAAAAAA4D8AAAAAAADgPwAAAAAAAOA/AAAAAAAA4D8AAAAAAADgPwAAAAAAAOA/AAAAAAAA4D8AAAAAAADgPwAAAAAAAOA/AAAAAAAA4D8CAAAAjAAAAAAAAAAAAAAAu+DjDP///wgAAAAAAAAAAAAAAAAAAAAAAAAAAAAAAAAAAAAAZAAAAAEAAABAAAAAAAAAAAAAAAAAAAAAAAAAAAAAAAAAAAAAAAAAAAAAAAAAAAAAAAAAAAAAAAAAAAAAAAAAAAAAAAAAAAAAAAAAAAAAAAAAAAAAAAAAAAAAAAAAAAAAFAAAADwAAAAAAAAAAAAAAAAAAAkUAAAAAQAAABQAAAAUAAAAFAAAAAEAAAAAAAAAZAAAAGQAAAAAAAAAZAAAAGQAAAAVAAAAYAAAAAAAAAAAAAAADwAAACADAAAAAAAAAAAAAAEAAACgMgAAVgcAAKr4//8BAAAAf39/AAEAAABkAAAAAAAAABQAAABAHwAAAAAAACYAAAAAAAAAwOD//wAAAAAmAAAAZAAAABYAAABMAAAAAAAAAAAAAAAEAAAAAAAAAAEAAACAgIAKAAAAACgAAAAoAAAAZAAAAGQAAAAAAAAAzMzMAAAAAABQAAAAUAAAAGQAAABkAAAAAAAAABcAAAAUAAAAAAAAAAAAAAD/fwAA/38AAAAAAAAJAAAABAAAANw7IAEeAAAAaAAAAAAAAAAAAAAAAAAAAAAAAAAAAAAAECcAABAnAAAAAAAAAAAAAAAAAAAAAAAAAAAAAAAAAAAAAAAAAAAAABQAAAAAAAAAwMD/AAAAAABkAAAAMgAAAAAAAABkAAAAAAAAAH9/fwAKAAAAIgAAABgAAAAAAAAAAAAAAAAAAAAAAAAAAAAAAAAAAAAkAAAAJAAAAAAAAAAHAAAAAAAAAAAAAAAAAAAAAAAAAAAAAAAAAAAAf39/ACUAAABYAAAAAAAAAAAAAAAAAAAAAAAAAAAAAAAAAAAAAAAAAAAAAAAAAAAAAAAAAAAAAAA/AAAAAAAAAKCGAQAAAAAAAAAAAAAAAAAMAAAAAQAAAAAAAAAAAAAAAAAAAB8AAABUAAAAAAAABQAAAAEAAAAAAAAAAAAAAAAAAAAAAAAAAAAAAAAAAAAAAAAAAAAAAAJ/f38AAAAAA8zMzADAwP8Af39/AAAAAAAAAAAAAAAAAAAAAAAAAAAAIQAAABgAAAAUAAAAwAMAALABAABARwAAuAgAABAAAAAmAAAACAAAAAAAAAAAAAAA"/>
+                <pr:smNativeData xmlns="smNativeData" xmlns:pr="smNativeData" xmlns:p15="http://schemas.microsoft.com/office/powerpoint/2012/main" xmlns:p14="http://schemas.microsoft.com/office/powerpoint/2010/main" xmlns:mc="http://schemas.openxmlformats.org/markup-compatibility/2006" val="SMDATA_15_wwJCaRMAAAAlAAAAZAAAAA8BAAAAkAAAAEgAAACQAAAASAAAAAAAAAABAAAAAAAAAAEAAABQAAAAAAAAAAAA4D8AAAAAAADgPwAAAAAAAOA/AAAAAAAA4D8AAAAAAADgPwAAAAAAAOA/AAAAAAAA4D8AAAAAAADgPwAAAAAAAOA/AAAAAAAA4D8CAAAAjAAAAAAAAAAAAAAAu+DjDP///wgAAAAAAAAAAAAAAAAAAAAAAAAAAAAAAAAAAAAAZAAAAAEAAABAAAAAAAAAAAAAAAAAAAAAAAAAAAAAAAAAAAAAAAAAAAAAAAAAAAAAAAAAAAAAAAAAAAAAAAAAAAAAAAAAAAAAAAAAAAAAAAAAAAAAAAAAAAAAAAAAAAAAFAAAADwAAAAAAAAAAAAAAAAAAAkUAAAAAQAAABQAAAAUAAAAFAAAAAEAAAAAAAAAZAAAAGQAAAAAAAAAZAAAAGQAAAAVAAAAYAAAAAAAAAAAAAAADwAAACADAAAAAAAAAAAAAAEAAACgMgAAVgcAAKr4//8BAAAAf39/AAEAAABkAAAAAAAAABQAAABAHwAAAAAAACYAAAAAAAAAwOD//wAAAAAmAAAAZAAAABYAAABMAAAAAAAAAAAAAAAEAAAAAAAAAAEAAACAgIAKAAAAACgAAAAoAAAAZAAAAGQAAAAAAAAAzMzMAAAAAABQAAAAUAAAAGQAAABkAAAAAAAAABcAAAAUAAAAAAAAAAAAAAD/fwAA/38AAAAAAAAJAAAABAAAANw7IAEeAAAAaAAAAAAAAAAAAAAAAAAAAAAAAAAAAAAAECcAABAnAAAAAAAAAAAAAAAAAAAAAAAAAAAAAAAAAAAAAAAAAAAAABQAAAAAAAAAwMD/AAAAAABkAAAAMgAAAAAAAABkAAAAAAAAAH9/fwAKAAAAIgAAABgAAAAAAAAAAAAAAAAAAAAAAAAAAAAAAAAAAAAkAAAAJAAAAAAAAAAHAAAAAAAAAAAAAAAAAAAAAAAAAAAAAAAAAAAAf39/ACUAAABYAAAAAAAAAAAAAAAAAAAAAAAAAAAAAAAAAAAAAAAAAAAAAAAAAAAAAAAAAAAAAAA/AAAAAAAAAKCGAQAAAAAAAAAAAAAAAAAMAAAAAQAAAAAAAAAAAAAAAAAAAB8AAABUAAAAAAAABQAAAAEAAAAAAAAAAAAAAAAAAAAAAAAAAAAAAAAAAAAAAAAAAAAAAAJ/f38AAAAAA8zMzADAwP8Af39/AAAAAAAAAAAAAAAAAAAAAAAAAAAAIQAAABgAAAAUAAAAwAMAALABAABARwAAuAgAABAAAAAmAAAACAAAAAAAAAAAAAAA"/>
               </a:ext>
             </a:extLst>
           </p:cNvSpPr>
@@ -1980,7 +1972,6 @@
           <a:bodyPr/>
           <a:lstStyle/>
           <a:p>
-            <a:pPr/>
             <a:r>
               <a:t>Click to edit Master title style</a:t>
             </a:r>
@@ -1994,7 +1985,7 @@
             <a:spLocks noGrp="1" noChangeArrowheads="1"/>
             <a:extLst>
               <a:ext uri="smNativeData">
-                <pr:smNativeData xmlns:pr="smNativeData" xmlns="smNativeData" val="SMDATA_15_wwJCaRMAAAAlAAAAZAAAAA8BAAAAkAAAAEgAAACQAAAASAAAAAAAAAABAAAAAAAAAAEAAABQAAAAAAAAAAAA4D8AAAAAAADgPwAAAAAAAOA/AAAAAAAA4D8AAAAAAADgPwAAAAAAAOA/AAAAAAAA4D8AAAAAAADgPwAAAAAAAOA/AAAAAAAA4D8CAAAAjAAAAAAAAAAAAAAAu+DjDP///wgAAAAAAAAAAAAAAAAAAAAAAAAAAAAAAAAAAAAAZAAAAAEAAABAAAAAAAAAAAAAAAAAAAAAAAAAAAAAAAAAAAAAAAAAAAAAAAAAAAAAAAAAAAAAAAAAAAAAAAAAAAAAAAAAAAAAAAAAAAAAAAAAAAAAAAAAAAAAAAAAAAAAFAAAADwAAAAAAAAAAAAAAAAAAAkUAAAAAQAAABQAAAAUAAAAFAAAAAEAAAAAAAAAZAAAAGQAAAAAAAAAZAAAAGQAAAAVAAAAYAAAAAAAAAAAAAAADwAAACADAAAAAAAAAAAAAAEAAACgMgAAVgcAAKr4//8BAAAAf39/AAEAAABkAAAAAAAAABQAAABAHwAAAAAAACYAAAAAAAAAwOD//wAAAAAmAAAAZAAAABYAAABMAAAAAAAAAAAAAAAEAAAAAAAAAAEAAACAgIAKAAAAACgAAAAoAAAAZAAAAGQAAAAAAAAAzMzMAAAAAABQAAAAUAAAAGQAAABkAAAAAAAAABcAAAAUAAAAAAAAAAAAAAD/fwAA/38AAAAAAAAJAAAABAAAANw7IAEeAAAAaAAAAAAAAAAAAAAAAAAAAAAAAAAAAAAAECcAABAnAAAAAAAAAAAAAAAAAAAAAAAAAAAAAAAAAAAAAAAAAAAAABQAAAAAAAAAwMD/AAAAAABkAAAAMgAAAAAAAABkAAAAAAAAAH9/fwAKAAAAIgAAABgAAAAAAAAAAAAAAAAAAAAAAAAAAAAAAAAAAAAkAAAAJAAAAAAAAAAHAAAAAAAAAAAAAAAAAAAAAAAAAAAAAAAAAAAAf39/ACUAAABYAAAAAAAAAAAAAAAAAAAAAAAAAAAAAAAAAAAAAAAAAAAAAAAAAAAAAAAAAAAAAAA/AAAAAAAAAKCGAQAAAAAAAAAAAAAAAAAMAAAAAQAAAAAAAAAAAAAAAAAAAB8AAABUAAAAAAAABQAAAAEAAAAAAAAAAAAAAAAAAAAAAAAAAAAAAAAAAAAAAAAAAAAAAAJ/f38AAAAAA8zMzADAwP8Af39/AAAAAAAAAAAAAAAAAAAAAAAAAAAAIQAAABgAAAAUAAAAwAMAABsnAAA/FQAAWSkAABAAAAAmAAAACAAAAAAAAAAAAAAA"/>
+                <pr:smNativeData xmlns="smNativeData" xmlns:pr="smNativeData" xmlns:p15="http://schemas.microsoft.com/office/powerpoint/2012/main" xmlns:p14="http://schemas.microsoft.com/office/powerpoint/2010/main" xmlns:mc="http://schemas.openxmlformats.org/markup-compatibility/2006" val="SMDATA_15_wwJCaRMAAAAlAAAAZAAAAA8BAAAAkAAAAEgAAACQAAAASAAAAAAAAAABAAAAAAAAAAEAAABQAAAAAAAAAAAA4D8AAAAAAADgPwAAAAAAAOA/AAAAAAAA4D8AAAAAAADgPwAAAAAAAOA/AAAAAAAA4D8AAAAAAADgPwAAAAAAAOA/AAAAAAAA4D8CAAAAjAAAAAAAAAAAAAAAu+DjDP///wgAAAAAAAAAAAAAAAAAAAAAAAAAAAAAAAAAAAAAZAAAAAEAAABAAAAAAAAAAAAAAAAAAAAAAAAAAAAAAAAAAAAAAAAAAAAAAAAAAAAAAAAAAAAAAAAAAAAAAAAAAAAAAAAAAAAAAAAAAAAAAAAAAAAAAAAAAAAAAAAAAAAAFAAAADwAAAAAAAAAAAAAAAAAAAkUAAAAAQAAABQAAAAUAAAAFAAAAAEAAAAAAAAAZAAAAGQAAAAAAAAAZAAAAGQAAAAVAAAAYAAAAAAAAAAAAAAADwAAACADAAAAAAAAAAAAAAEAAACgMgAAVgcAAKr4//8BAAAAf39/AAEAAABkAAAAAAAAABQAAABAHwAAAAAAACYAAAAAAAAAwOD//wAAAAAmAAAAZAAAABYAAABMAAAAAAAAAAAAAAAEAAAAAAAAAAEAAACAgIAKAAAAACgAAAAoAAAAZAAAAGQAAAAAAAAAzMzMAAAAAABQAAAAUAAAAGQAAABkAAAAAAAAABcAAAAUAAAAAAAAAAAAAAD/fwAA/38AAAAAAAAJAAAABAAAANw7IAEeAAAAaAAAAAAAAAAAAAAAAAAAAAAAAAAAAAAAECcAABAnAAAAAAAAAAAAAAAAAAAAAAAAAAAAAAAAAAAAAAAAAAAAABQAAAAAAAAAwMD/AAAAAABkAAAAMgAAAAAAAABkAAAAAAAAAH9/fwAKAAAAIgAAABgAAAAAAAAAAAAAAAAAAAAAAAAAAAAAAAAAAAAkAAAAJAAAAAAAAAAHAAAAAAAAAAAAAAAAAAAAAAAAAAAAAAAAAAAAf39/ACUAAABYAAAAAAAAAAAAAAAAAAAAAAAAAAAAAAAAAAAAAAAAAAAAAAAAAAAAAAAAAAAAAAA/AAAAAAAAAKCGAQAAAAAAAAAAAAAAAAAMAAAAAQAAAAAAAAAAAAAAAAAAAB8AAABUAAAAAAAABQAAAAEAAAAAAAAAAAAAAAAAAAAAAAAAAAAAAAAAAAAAAAAAAAAAAAJ/f38AAAAAA8zMzADAwP8Af39/AAAAAAAAAAAAAAAAAAAAAAAAAAAAIQAAABgAAAAUAAAAwAMAABsnAAA/FQAAWSkAABAAAAAmAAAACAAAAAAAAAAAAAAA"/>
               </a:ext>
             </a:extLst>
           </p:cNvSpPr>
@@ -2007,10 +1998,10 @@
           <a:bodyPr/>
           <a:lstStyle/>
           <a:p>
-            <a:pPr/>
             <a:fld id="{2B3A0218-56C6-6FF4-8882-A0A14CCC7EF5}" type="datetime1">
-              <a:t/>
+              <a:t>12/16/2025</a:t>
             </a:fld>
+            <a:endParaRPr/>
           </a:p>
         </p:txBody>
       </p:sp>
@@ -2021,7 +2012,7 @@
             <a:spLocks noGrp="1" noChangeArrowheads="1"/>
             <a:extLst>
               <a:ext uri="smNativeData">
-                <pr:smNativeData xmlns:pr="smNativeData" xmlns="smNativeData" val="SMDATA_15_wwJCaRMAAAAlAAAAZAAAAA8BAAAAkAAAAEgAAACQAAAASAAAAAAAAAABAAAAAAAAAAEAAABQAAAAAAAAAAAA4D8AAAAAAADgPwAAAAAAAOA/AAAAAAAA4D8AAAAAAADgPwAAAAAAAOA/AAAAAAAA4D8AAAAAAADgPwAAAAAAAOA/AAAAAAAA4D8CAAAAjAAAAAAAAAAAAAAAu+DjDP///wgAAAAAAAAAAAAAAAAAAAAAAAAAAAAAAAAAAAAAZAAAAAEAAABAAAAAAAAAAAAAAAAAAAAAAAAAAAAAAAAAAAAAAAAAAAAAAAAAAAAAAAAAAAAAAAAAAAAAAAAAAAAAAAAAAAAAAAAAAAAAAAAAAAAAAAAAAAAAAAAAAAAAFAAAADwAAAAAAAAAAAAAAAAAAAkUAAAAAQAAABQAAAAUAAAAFAAAAAEAAAAAAAAAZAAAAGQAAAAAAAAAZAAAAGQAAAAVAAAAYAAAAAAAAAAAAAAADwAAACADAAAAAAAAAAAAAAEAAACgMgAAVgcAAKr4//8BAAAAf39/AAEAAABkAAAAAAAAABQAAABAHwAAAAAAACYAAAAAAAAAwOD//wAAAAAmAAAAZAAAABYAAABMAAAAAAAAAAAAAAAEAAAAAAAAAAEAAACAgIAKAAAAACgAAAAoAAAAZAAAAGQAAAAAAAAAzMzMAAAAAABQAAAAUAAAAGQAAABkAAAAAAAAABcAAAAUAAAAAAAAAAAAAAD/fwAA/38AAAAAAAAJAAAABAAAANw7IAEeAAAAaAAAAAAAAAAAAAAAAAAAAAAAAAAAAAAAECcAABAnAAAAAAAAAAAAAAAAAAAAAAAAAAAAAAAAAAAAAAAAAAAAABQAAAAAAAAAwMD/AAAAAABkAAAAMgAAAAAAAABkAAAAAAAAAH9/fwAKAAAAIgAAABgAAAAAAAAAAAAAAAAAAAAAAAAAAAAAAAAAAAAkAAAAJAAAAAAAAAAHAAAAAAAAAAAAAAAAAAAAAAAAAAAAAAAAAAAAf39/ACUAAABYAAAAAAAAAAAAAAAAAAAAAAAAAAAAAAAAAAAAAAAAAAAAAAAAAAAAAAAAAAAAAAA/AAAAAAAAAKCGAQAAAAAAAAAAAAAAAAAMAAAAAQAAAAAAAAAAAAAAAAAAAB8AAABUAAAAAAAABQAAAAEAAAAAAAAAAAAAAAAAAAAAAAAAAAAAAAAAAAAAAAAAAAAAAAJ/f38AAAAAA8zMzADAwP8Af39/AAAAAAAAAAAAAAAAAAAAAAAAAAAAIQAAABgAAAAUAAAAoRkAABsnAABfMQAAWSkAABAAAAAmAAAACAAAAAAAAAAAAAAA"/>
+                <pr:smNativeData xmlns="smNativeData" xmlns:pr="smNativeData" xmlns:p15="http://schemas.microsoft.com/office/powerpoint/2012/main" xmlns:p14="http://schemas.microsoft.com/office/powerpoint/2010/main" xmlns:mc="http://schemas.openxmlformats.org/markup-compatibility/2006" val="SMDATA_15_wwJCaRMAAAAlAAAAZAAAAA8BAAAAkAAAAEgAAACQAAAASAAAAAAAAAABAAAAAAAAAAEAAABQAAAAAAAAAAAA4D8AAAAAAADgPwAAAAAAAOA/AAAAAAAA4D8AAAAAAADgPwAAAAAAAOA/AAAAAAAA4D8AAAAAAADgPwAAAAAAAOA/AAAAAAAA4D8CAAAAjAAAAAAAAAAAAAAAu+DjDP///wgAAAAAAAAAAAAAAAAAAAAAAAAAAAAAAAAAAAAAZAAAAAEAAABAAAAAAAAAAAAAAAAAAAAAAAAAAAAAAAAAAAAAAAAAAAAAAAAAAAAAAAAAAAAAAAAAAAAAAAAAAAAAAAAAAAAAAAAAAAAAAAAAAAAAAAAAAAAAAAAAAAAAFAAAADwAAAAAAAAAAAAAAAAAAAkUAAAAAQAAABQAAAAUAAAAFAAAAAEAAAAAAAAAZAAAAGQAAAAAAAAAZAAAAGQAAAAVAAAAYAAAAAAAAAAAAAAADwAAACADAAAAAAAAAAAAAAEAAACgMgAAVgcAAKr4//8BAAAAf39/AAEAAABkAAAAAAAAABQAAABAHwAAAAAAACYAAAAAAAAAwOD//wAAAAAmAAAAZAAAABYAAABMAAAAAAAAAAAAAAAEAAAAAAAAAAEAAACAgIAKAAAAACgAAAAoAAAAZAAAAGQAAAAAAAAAzMzMAAAAAABQAAAAUAAAAGQAAABkAAAAAAAAABcAAAAUAAAAAAAAAAAAAAD/fwAA/38AAAAAAAAJAAAABAAAANw7IAEeAAAAaAAAAAAAAAAAAAAAAAAAAAAAAAAAAAAAECcAABAnAAAAAAAAAAAAAAAAAAAAAAAAAAAAAAAAAAAAAAAAAAAAABQAAAAAAAAAwMD/AAAAAABkAAAAMgAAAAAAAABkAAAAAAAAAH9/fwAKAAAAIgAAABgAAAAAAAAAAAAAAAAAAAAAAAAAAAAAAAAAAAAkAAAAJAAAAAAAAAAHAAAAAAAAAAAAAAAAAAAAAAAAAAAAAAAAAAAAf39/ACUAAABYAAAAAAAAAAAAAAAAAAAAAAAAAAAAAAAAAAAAAAAAAAAAAAAAAAAAAAAAAAAAAAA/AAAAAAAAAKCGAQAAAAAAAAAAAAAAAAAMAAAAAQAAAAAAAAAAAAAAAAAAAB8AAABUAAAAAAAABQAAAAEAAAAAAAAAAAAAAAAAAAAAAAAAAAAAAAAAAAAAAAAAAAAAAAJ/f38AAAAAA8zMzADAwP8Af39/AAAAAAAAAAAAAAAAAAAAAAAAAAAAIQAAABgAAAAUAAAAoRkAABsnAABfMQAAWSkAABAAAAAmAAAACAAAAAAAAAAAAAAA"/>
               </a:ext>
             </a:extLst>
           </p:cNvSpPr>
@@ -2034,7 +2025,7 @@
           <a:bodyPr/>
           <a:lstStyle/>
           <a:p>
-            <a:pPr/>
+            <a:endParaRPr/>
           </a:p>
         </p:txBody>
       </p:sp>
@@ -2045,7 +2036,7 @@
             <a:spLocks noGrp="1" noChangeArrowheads="1"/>
             <a:extLst>
               <a:ext uri="smNativeData">
-                <pr:smNativeData xmlns:pr="smNativeData" xmlns="smNativeData" val="SMDATA_15_wwJCaRMAAAAlAAAAZAAAAA8BAAAAkAAAAEgAAACQAAAASAAAAAAAAAABAAAAAAAAAAEAAABQAAAAAAAAAAAA4D8AAAAAAADgPwAAAAAAAOA/AAAAAAAA4D8AAAAAAADgPwAAAAAAAOA/AAAAAAAA4D8AAAAAAADgPwAAAAAAAOA/AAAAAAAA4D8CAAAAjAAAAAAAAAAAAAAAu+DjDP///wgAAAAAAAAAAAAAAAAAAAAAAAAAAAAAAAAAAAAAZAAAAAEAAABAAAAAAAAAAAAAAAAAAAAAAAAAAAAAAAAAAAAAAAAAAAAAAAAAAAAAAAAAAAAAAAAAAAAAAAAAAAAAAAAAAAAAAAAAAAAAAAAAAAAAAAAAAAAAAAAAAAAAFAAAADwAAAAAAAAAAAAAAAAAAAkUAAAAAQAAABQAAAAUAAAAFAAAAAEAAAAAAAAAZAAAAGQAAAAAAAAAZAAAAGQAAAAVAAAAYAAAAAAAAAAAAAAADwAAACADAAAAAAAAAAAAAAEAAACgMgAAVgcAAKr4//8BAAAAf39/AAEAAABkAAAAAAAAABQAAABAHwAAAAAAACYAAAAAAAAAwOD//wAAAAAmAAAAZAAAABYAAABMAAAAAAAAAAAAAAAEAAAAAAAAAAEAAACAgIAKAAAAACgAAAAoAAAAZAAAAGQAAAAAAAAAzMzMAAAAAABQAAAAUAAAAGQAAABkAAAAAAAAABcAAAAUAAAAAAAAAAAAAAD/fwAA/38AAAAAAAAJAAAABAAAANw7IAEeAAAAaAAAAAAAAAAAAAAAAAAAAAAAAAAAAAAAECcAABAnAAAAAAAAAAAAAAAAAAAAAAAAAAAAAAAAAAAAAAAAAAAAABQAAAAAAAAAwMD/AAAAAABkAAAAMgAAAAAAAABkAAAAAAAAAH9/fwAKAAAAIgAAABgAAAAAAAAAAAAAAAAAAAAAAAAAAAAAAAAAAAAkAAAAJAAAAAAAAAAHAAAAAAAAAAAAAAAAAAAAAAAAAAAAAAAAAAAAf39/ACUAAABYAAAAAAAAAAAAAAAAAAAAAAAAAAAAAAAAAAAAAAAAAAAAAAAAAAAAAAAAAAAAAAA/AAAAAAAAAKCGAQAAAAAAAAAAAAAAAAAMAAAAAQAAAAAAAAAAAAAAAAAAAB8AAABUAAAAAAAABQAAAAEAAAAAAAAAAAAAAAAAAAAAAAAAAAAAAAAAAAAAAAAAAAAAAAJ/f38AAAAAA8zMzADAwP8Af39/AAAAAAAAAAAAAAAAAAAAAAAAAAAAIQAAABgAAAAUAAAAwTUAABsnAABARwAAWSkAABAAAAAmAAAACAAAAAAAAAAAAAAA"/>
+                <pr:smNativeData xmlns="smNativeData" xmlns:pr="smNativeData" xmlns:p15="http://schemas.microsoft.com/office/powerpoint/2012/main" xmlns:p14="http://schemas.microsoft.com/office/powerpoint/2010/main" xmlns:mc="http://schemas.openxmlformats.org/markup-compatibility/2006" val="SMDATA_15_wwJCaRMAAAAlAAAAZAAAAA8BAAAAkAAAAEgAAACQAAAASAAAAAAAAAABAAAAAAAAAAEAAABQAAAAAAAAAAAA4D8AAAAAAADgPwAAAAAAAOA/AAAAAAAA4D8AAAAAAADgPwAAAAAAAOA/AAAAAAAA4D8AAAAAAADgPwAAAAAAAOA/AAAAAAAA4D8CAAAAjAAAAAAAAAAAAAAAu+DjDP///wgAAAAAAAAAAAAAAAAAAAAAAAAAAAAAAAAAAAAAZAAAAAEAAABAAAAAAAAAAAAAAAAAAAAAAAAAAAAAAAAAAAAAAAAAAAAAAAAAAAAAAAAAAAAAAAAAAAAAAAAAAAAAAAAAAAAAAAAAAAAAAAAAAAAAAAAAAAAAAAAAAAAAFAAAADwAAAAAAAAAAAAAAAAAAAkUAAAAAQAAABQAAAAUAAAAFAAAAAEAAAAAAAAAZAAAAGQAAAAAAAAAZAAAAGQAAAAVAAAAYAAAAAAAAAAAAAAADwAAACADAAAAAAAAAAAAAAEAAACgMgAAVgcAAKr4//8BAAAAf39/AAEAAABkAAAAAAAAABQAAABAHwAAAAAAACYAAAAAAAAAwOD//wAAAAAmAAAAZAAAABYAAABMAAAAAAAAAAAAAAAEAAAAAAAAAAEAAACAgIAKAAAAACgAAAAoAAAAZAAAAGQAAAAAAAAAzMzMAAAAAABQAAAAUAAAAGQAAABkAAAAAAAAABcAAAAUAAAAAAAAAAAAAAD/fwAA/38AAAAAAAAJAAAABAAAANw7IAEeAAAAaAAAAAAAAAAAAAAAAAAAAAAAAAAAAAAAECcAABAnAAAAAAAAAAAAAAAAAAAAAAAAAAAAAAAAAAAAAAAAAAAAABQAAAAAAAAAwMD/AAAAAABkAAAAMgAAAAAAAABkAAAAAAAAAH9/fwAKAAAAIgAAABgAAAAAAAAAAAAAAAAAAAAAAAAAAAAAAAAAAAAkAAAAJAAAAAAAAAAHAAAAAAAAAAAAAAAAAAAAAAAAAAAAAAAAAAAAf39/ACUAAABYAAAAAAAAAAAAAAAAAAAAAAAAAAAAAAAAAAAAAAAAAAAAAAAAAAAAAAAAAAAAAAA/AAAAAAAAAKCGAQAAAAAAAAAAAAAAAAAMAAAAAQAAAAAAAAAAAAAAAAAAAB8AAABUAAAAAAAABQAAAAEAAAAAAAAAAAAAAAAAAAAAAAAAAAAAAAAAAAAAAAAAAAAAAAJ/f38AAAAAA8zMzADAwP8Af39/AAAAAAAAAAAAAAAAAAAAAAAAAAAAIQAAABgAAAAUAAAAwTUAABsnAABARwAAWSkAABAAAAAmAAAACAAAAAAAAAAAAAAA"/>
               </a:ext>
             </a:extLst>
           </p:cNvSpPr>
@@ -2058,10 +2049,10 @@
           <a:bodyPr/>
           <a:lstStyle/>
           <a:p>
-            <a:pPr/>
             <a:fld id="{2B3A40DE-90C6-6FB6-8882-66E30ECC7E33}" type="slidenum">
-              <a:t/>
+              <a:t>‹#›</a:t>
             </a:fld>
+            <a:endParaRPr/>
           </a:p>
         </p:txBody>
       </p:sp>
@@ -2075,7 +2066,7 @@
 </file>
 
 <file path=ppt/slideLayouts/slideLayout7.xml><?xml version="1.0" encoding="utf-8"?>
-<p:sldLayout xmlns:p="http://schemas.openxmlformats.org/presentationml/2006/main" xmlns:mc="http://schemas.openxmlformats.org/markup-compatibility/2006" xmlns:p14="http://schemas.microsoft.com/office/powerpoint/2010/main" xmlns:p15="http://schemas.microsoft.com/office/powerpoint/2012/main" xmlns:r="http://schemas.openxmlformats.org/officeDocument/2006/relationships" xmlns:a="http://schemas.openxmlformats.org/drawingml/2006/main" type="blank">
+<p:sldLayout xmlns:a="http://schemas.openxmlformats.org/drawingml/2006/main" xmlns:r="http://schemas.openxmlformats.org/officeDocument/2006/relationships" xmlns:p="http://schemas.openxmlformats.org/presentationml/2006/main" type="blank">
   <p:cSld name="Blank">
     <p:spTree>
       <p:nvGrpSpPr>
@@ -2098,7 +2089,7 @@
             <a:spLocks noGrp="1" noChangeArrowheads="1"/>
             <a:extLst>
               <a:ext uri="smNativeData">
-                <pr:smNativeData xmlns:pr="smNativeData" xmlns="smNativeData" val="SMDATA_15_wwJCaRMAAAAlAAAAZAAAAA8BAAAAkAAAAEgAAACQAAAASAAAAAAAAAABAAAAAAAAAAEAAABQAAAAAAAAAAAA4D8AAAAAAADgPwAAAAAAAOA/AAAAAAAA4D8AAAAAAADgPwAAAAAAAOA/AAAAAAAA4D8AAAAAAADgPwAAAAAAAOA/AAAAAAAA4D8CAAAAjAAAAAAAAAAAAAAAu+DjDP///wgAAAAAAAAAAAAAAAAAAAAAAAAAAAAAAAAAAAAAZAAAAAEAAABAAAAAAAAAAAAAAAAAAAAAAAAAAAAAAAAAAAAAAAAAAAAAAAAAAAAAAAAAAAAAAAAAAAAAAAAAAAAAAAAAAAAAAAAAAAAAAAAAAAAAAAAAAAAAAAAAAAAAFAAAADwAAAAAAAAAAAAAAAAAAAkUAAAAAQAAABQAAAAUAAAAFAAAAAEAAAAAAAAAZAAAAGQAAAAAAAAAZAAAAGQAAAAVAAAAYAAAAAAAAAAAAAAADwAAACADAAAAAAAAAAAAAAEAAACgMgAAVgcAAKr4//8BAAAAf39/AAEAAABkAAAAAAAAABQAAABAHwAAAAAAACYAAAAAAAAAwOD//wAAAAAmAAAAZAAAABYAAABMAAAAAAAAAAAAAAAEAAAAAAAAAAEAAACAgIAKAAAAACgAAAAoAAAAZAAAAGQAAAAAAAAAzMzMAAAAAABQAAAAUAAAAGQAAABkAAAAAAAAABcAAAAUAAAAAAAAAAAAAAD/fwAA/38AAAAAAAAJAAAABAAAANw7IAEeAAAAaAAAAAAAAAAAAAAAAAAAAAAAAAAAAAAAECcAABAnAAAAAAAAAAAAAAAAAAAAAAAAAAAAAAAAAAAAAAAAAAAAABQAAAAAAAAAwMD/AAAAAABkAAAAMgAAAAAAAABkAAAAAAAAAH9/fwAKAAAAIgAAABgAAAAAAAAAAAAAAAAAAAAAAAAAAAAAAAAAAAAkAAAAJAAAAAAAAAAHAAAAAAAAAAAAAAAAAAAAAAAAAAAAAAAAAAAAf39/ACUAAABYAAAAAAAAAAAAAAAAAAAAAAAAAAAAAAAAAAAAAAAAAAAAAAAAAAAAAAAAAAAAAAA/AAAAAAAAAKCGAQAAAAAAAAAAAAAAAAAMAAAAAQAAAAAAAAAAAAAAAAAAAB8AAABUAAAAAAAABQAAAAEAAAAAAAAAAAAAAAAAAAAAAAAAAAAAAAAAAAAAAAAAAAAAAAJ/f38AAAAAA8zMzADAwP8Af39/AAAAAAAAAAAAAAAAAAAAAAAAAAAAIQAAABgAAAAUAAAAwAMAABsnAAA/FQAAWSkAABAAAAAmAAAACAAAAAAAAAAAAAAA"/>
+                <pr:smNativeData xmlns="smNativeData" xmlns:pr="smNativeData" xmlns:p15="http://schemas.microsoft.com/office/powerpoint/2012/main" xmlns:p14="http://schemas.microsoft.com/office/powerpoint/2010/main" xmlns:mc="http://schemas.openxmlformats.org/markup-compatibility/2006" val="SMDATA_15_wwJCaRMAAAAlAAAAZAAAAA8BAAAAkAAAAEgAAACQAAAASAAAAAAAAAABAAAAAAAAAAEAAABQAAAAAAAAAAAA4D8AAAAAAADgPwAAAAAAAOA/AAAAAAAA4D8AAAAAAADgPwAAAAAAAOA/AAAAAAAA4D8AAAAAAADgPwAAAAAAAOA/AAAAAAAA4D8CAAAAjAAAAAAAAAAAAAAAu+DjDP///wgAAAAAAAAAAAAAAAAAAAAAAAAAAAAAAAAAAAAAZAAAAAEAAABAAAAAAAAAAAAAAAAAAAAAAAAAAAAAAAAAAAAAAAAAAAAAAAAAAAAAAAAAAAAAAAAAAAAAAAAAAAAAAAAAAAAAAAAAAAAAAAAAAAAAAAAAAAAAAAAAAAAAFAAAADwAAAAAAAAAAAAAAAAAAAkUAAAAAQAAABQAAAAUAAAAFAAAAAEAAAAAAAAAZAAAAGQAAAAAAAAAZAAAAGQAAAAVAAAAYAAAAAAAAAAAAAAADwAAACADAAAAAAAAAAAAAAEAAACgMgAAVgcAAKr4//8BAAAAf39/AAEAAABkAAAAAAAAABQAAABAHwAAAAAAACYAAAAAAAAAwOD//wAAAAAmAAAAZAAAABYAAABMAAAAAAAAAAAAAAAEAAAAAAAAAAEAAACAgIAKAAAAACgAAAAoAAAAZAAAAGQAAAAAAAAAzMzMAAAAAABQAAAAUAAAAGQAAABkAAAAAAAAABcAAAAUAAAAAAAAAAAAAAD/fwAA/38AAAAAAAAJAAAABAAAANw7IAEeAAAAaAAAAAAAAAAAAAAAAAAAAAAAAAAAAAAAECcAABAnAAAAAAAAAAAAAAAAAAAAAAAAAAAAAAAAAAAAAAAAAAAAABQAAAAAAAAAwMD/AAAAAABkAAAAMgAAAAAAAABkAAAAAAAAAH9/fwAKAAAAIgAAABgAAAAAAAAAAAAAAAAAAAAAAAAAAAAAAAAAAAAkAAAAJAAAAAAAAAAHAAAAAAAAAAAAAAAAAAAAAAAAAAAAAAAAAAAAf39/ACUAAABYAAAAAAAAAAAAAAAAAAAAAAAAAAAAAAAAAAAAAAAAAAAAAAAAAAAAAAAAAAAAAAA/AAAAAAAAAKCGAQAAAAAAAAAAAAAAAAAMAAAAAQAAAAAAAAAAAAAAAAAAAB8AAABUAAAAAAAABQAAAAEAAAAAAAAAAAAAAAAAAAAAAAAAAAAAAAAAAAAAAAAAAAAAAAJ/f38AAAAAA8zMzADAwP8Af39/AAAAAAAAAAAAAAAAAAAAAAAAAAAAIQAAABgAAAAUAAAAwAMAABsnAAA/FQAAWSkAABAAAAAmAAAACAAAAAAAAAAAAAAA"/>
               </a:ext>
             </a:extLst>
           </p:cNvSpPr>
@@ -2111,10 +2102,10 @@
           <a:bodyPr/>
           <a:lstStyle/>
           <a:p>
-            <a:pPr/>
             <a:fld id="{2B3A57F0-BEC6-6FA1-8882-48F419CC7E1D}" type="datetime1">
-              <a:t/>
+              <a:t>12/16/2025</a:t>
             </a:fld>
+            <a:endParaRPr/>
           </a:p>
         </p:txBody>
       </p:sp>
@@ -2125,7 +2116,7 @@
             <a:spLocks noGrp="1" noChangeArrowheads="1"/>
             <a:extLst>
               <a:ext uri="smNativeData">
-                <pr:smNativeData xmlns:pr="smNativeData" xmlns="smNativeData" val="SMDATA_15_wwJCaRMAAAAlAAAAZAAAAA8BAAAAkAAAAEgAAACQAAAASAAAAAAAAAABAAAAAAAAAAEAAABQAAAAAAAAAAAA4D8AAAAAAADgPwAAAAAAAOA/AAAAAAAA4D8AAAAAAADgPwAAAAAAAOA/AAAAAAAA4D8AAAAAAADgPwAAAAAAAOA/AAAAAAAA4D8CAAAAjAAAAAAAAAAAAAAAu+DjDP///wgAAAAAAAAAAAAAAAAAAAAAAAAAAAAAAAAAAAAAZAAAAAEAAABAAAAAAAAAAAAAAAAAAAAAAAAAAAAAAAAAAAAAAAAAAAAAAAAAAAAAAAAAAAAAAAAAAAAAAAAAAAAAAAAAAAAAAAAAAAAAAAAAAAAAAAAAAAAAAAAAAAAAFAAAADwAAAAAAAAAAAAAAAAAAAkUAAAAAQAAABQAAAAUAAAAFAAAAAEAAAAAAAAAZAAAAGQAAAAAAAAAZAAAAGQAAAAVAAAAYAAAAAAAAAAAAAAADwAAACADAAAAAAAAAAAAAAEAAACgMgAAVgcAAKr4//8BAAAAf39/AAEAAABkAAAAAAAAABQAAABAHwAAAAAAACYAAAAAAAAAwOD//wAAAAAmAAAAZAAAABYAAABMAAAAAAAAAAAAAAAEAAAAAAAAAAEAAACAgIAKAAAAACgAAAAoAAAAZAAAAGQAAAAAAAAAzMzMAAAAAABQAAAAUAAAAGQAAABkAAAAAAAAABcAAAAUAAAAAAAAAAAAAAD/fwAA/38AAAAAAAAJAAAABAAAAAAAAAAeAAAAaAAAAAAAAAAAAAAAAAAAAAAAAAAAAAAAECcAABAnAAAAAAAAAAAAAAAAAAAAAAAAAAAAAAAAAAAAAAAAAAAAABQAAAAAAAAAwMD/AAAAAABkAAAAMgAAAAAAAABkAAAAAAAAAH9/fwAKAAAAIgAAABgAAAAAAAAAAAAAAAAAAAAAAAAAAAAAAAAAAAAkAAAAJAAAAAAAAAAHAAAAAAAAAAAAAAAAAAAAAAAAAAAAAAAAAAAAf39/ACUAAABYAAAAAAAAAAAAAAAAAAAAAAAAAAAAAAAAAAAAAAAAAAAAAAAAAAAAAAAAAAAAAAA/AAAAAAAAAKCGAQAAAAAAAAAAAAAAAAAMAAAAAQAAAAAAAAAAAAAAAAAAAB8AAABUAAAAAAAABQAAAAEAAAAAAAAAAAAAAAAAAAAAAAAAAAAAAAAAAAAAAAAAAAAAAAJ/f38AAAAAA8zMzADAwP8Af39/AAAAAAAAAAAAAAAAAAAAAAAAAAAAIQAAABgAAAAUAAAAoRkAABsnAABfMQAAWSkAABAAAAAmAAAACAAAAAAAAAAAAAAA"/>
+                <pr:smNativeData xmlns="smNativeData" xmlns:pr="smNativeData" xmlns:p15="http://schemas.microsoft.com/office/powerpoint/2012/main" xmlns:p14="http://schemas.microsoft.com/office/powerpoint/2010/main" xmlns:mc="http://schemas.openxmlformats.org/markup-compatibility/2006" val="SMDATA_15_wwJCaRMAAAAlAAAAZAAAAA8BAAAAkAAAAEgAAACQAAAASAAAAAAAAAABAAAAAAAAAAEAAABQAAAAAAAAAAAA4D8AAAAAAADgPwAAAAAAAOA/AAAAAAAA4D8AAAAAAADgPwAAAAAAAOA/AAAAAAAA4D8AAAAAAADgPwAAAAAAAOA/AAAAAAAA4D8CAAAAjAAAAAAAAAAAAAAAu+DjDP///wgAAAAAAAAAAAAAAAAAAAAAAAAAAAAAAAAAAAAAZAAAAAEAAABAAAAAAAAAAAAAAAAAAAAAAAAAAAAAAAAAAAAAAAAAAAAAAAAAAAAAAAAAAAAAAAAAAAAAAAAAAAAAAAAAAAAAAAAAAAAAAAAAAAAAAAAAAAAAAAAAAAAAFAAAADwAAAAAAAAAAAAAAAAAAAkUAAAAAQAAABQAAAAUAAAAFAAAAAEAAAAAAAAAZAAAAGQAAAAAAAAAZAAAAGQAAAAVAAAAYAAAAAAAAAAAAAAADwAAACADAAAAAAAAAAAAAAEAAACgMgAAVgcAAKr4//8BAAAAf39/AAEAAABkAAAAAAAAABQAAABAHwAAAAAAACYAAAAAAAAAwOD//wAAAAAmAAAAZAAAABYAAABMAAAAAAAAAAAAAAAEAAAAAAAAAAEAAACAgIAKAAAAACgAAAAoAAAAZAAAAGQAAAAAAAAAzMzMAAAAAABQAAAAUAAAAGQAAABkAAAAAAAAABcAAAAUAAAAAAAAAAAAAAD/fwAA/38AAAAAAAAJAAAABAAAAAAAAAAeAAAAaAAAAAAAAAAAAAAAAAAAAAAAAAAAAAAAECcAABAnAAAAAAAAAAAAAAAAAAAAAAAAAAAAAAAAAAAAAAAAAAAAABQAAAAAAAAAwMD/AAAAAABkAAAAMgAAAAAAAABkAAAAAAAAAH9/fwAKAAAAIgAAABgAAAAAAAAAAAAAAAAAAAAAAAAAAAAAAAAAAAAkAAAAJAAAAAAAAAAHAAAAAAAAAAAAAAAAAAAAAAAAAAAAAAAAAAAAf39/ACUAAABYAAAAAAAAAAAAAAAAAAAAAAAAAAAAAAAAAAAAAAAAAAAAAAAAAAAAAAAAAAAAAAA/AAAAAAAAAKCGAQAAAAAAAAAAAAAAAAAMAAAAAQAAAAAAAAAAAAAAAAAAAB8AAABUAAAAAAAABQAAAAEAAAAAAAAAAAAAAAAAAAAAAAAAAAAAAAAAAAAAAAAAAAAAAAJ/f38AAAAAA8zMzADAwP8Af39/AAAAAAAAAAAAAAAAAAAAAAAAAAAAIQAAABgAAAAUAAAAoRkAABsnAABfMQAAWSkAABAAAAAmAAAACAAAAAAAAAAAAAAA"/>
               </a:ext>
             </a:extLst>
           </p:cNvSpPr>
@@ -2138,7 +2129,7 @@
           <a:bodyPr/>
           <a:lstStyle/>
           <a:p>
-            <a:pPr/>
+            <a:endParaRPr/>
           </a:p>
         </p:txBody>
       </p:sp>
@@ -2149,7 +2140,7 @@
             <a:spLocks noGrp="1" noChangeArrowheads="1"/>
             <a:extLst>
               <a:ext uri="smNativeData">
-                <pr:smNativeData xmlns:pr="smNativeData" xmlns="smNativeData" val="SMDATA_15_wwJCaRMAAAAlAAAAZAAAAA8BAAAAkAAAAEgAAACQAAAASAAAAAAAAAABAAAAAAAAAAEAAABQAAAAAAAAAAAA4D8AAAAAAADgPwAAAAAAAOA/AAAAAAAA4D8AAAAAAADgPwAAAAAAAOA/AAAAAAAA4D8AAAAAAADgPwAAAAAAAOA/AAAAAAAA4D8CAAAAjAAAAAAAAAAAAAAAu+DjDP///wgAAAAAAAAAAAAAAAAAAAAAAAAAAAAAAAAAAAAAZAAAAAEAAABAAAAAAAAAAAAAAAAAAAAAAAAAAAAAAAAAAAAAAAAAAAAAAAAAAAAAAAAAAAAAAAAAAAAAAAAAAAAAAAAAAAAAAAAAAAAAAAAAAAAAAAAAAAAAAAAAAAAAFAAAADwAAAAAAAAAAAAAAAAAAAkUAAAAAQAAABQAAAAUAAAAFAAAAAEAAAAAAAAAZAAAAGQAAAAAAAAAZAAAAGQAAAAVAAAAYAAAAAAAAAAAAAAADwAAACADAAAAAAAAAAAAAAEAAACgMgAAVgcAAKr4//8BAAAAf39/AAEAAABkAAAAAAAAABQAAABAHwAAAAAAACYAAAAAAAAAwOD//wAAAAAmAAAAZAAAABYAAABMAAAAAAAAAAAAAAAEAAAAAAAAAAEAAACAgIAKAAAAACgAAAAoAAAAZAAAAGQAAAAAAAAAzMzMAAAAAABQAAAAUAAAAGQAAABkAAAAAAAAABcAAAAUAAAAAAAAAAAAAAD/fwAA/38AAAAAAAAJAAAABAAAAAAAAAAeAAAAaAAAAAAAAAAAAAAAAAAAAAAAAAAAAAAAECcAABAnAAAAAAAAAAAAAAAAAAAAAAAAAAAAAAAAAAAAAAAAAAAAABQAAAAAAAAAwMD/AAAAAABkAAAAMgAAAAAAAABkAAAAAAAAAH9/fwAKAAAAIgAAABgAAAAAAAAAAAAAAAAAAAAAAAAAAAAAAAAAAAAkAAAAJAAAAAAAAAAHAAAAAAAAAAAAAAAAAAAAAAAAAAAAAAAAAAAAf39/ACUAAABYAAAAAAAAAAAAAAAAAAAAAAAAAAAAAAAAAAAAAAAAAAAAAAAAAAAAAAAAAAAAAAA/AAAAAAAAAKCGAQAAAAAAAAAAAAAAAAAMAAAAAQAAAAAAAAAAAAAAAAAAAB8AAABUAAAAAAAABQAAAAEAAAAAAAAAAAAAAAAAAAAAAAAAAAAAAAAAAAAAAAAAAAAAAAJ/f38AAAAAA8zMzADAwP8Af39/AAAAAAAAAAAAAAAAAAAAAAAAAAAAIQAAABgAAAAUAAAAwTUAABsnAABARwAAWSkAABAAAAAmAAAACAAAAAAAAAAAAAAA"/>
+                <pr:smNativeData xmlns="smNativeData" xmlns:pr="smNativeData" xmlns:p15="http://schemas.microsoft.com/office/powerpoint/2012/main" xmlns:p14="http://schemas.microsoft.com/office/powerpoint/2010/main" xmlns:mc="http://schemas.openxmlformats.org/markup-compatibility/2006" val="SMDATA_15_wwJCaRMAAAAlAAAAZAAAAA8BAAAAkAAAAEgAAACQAAAASAAAAAAAAAABAAAAAAAAAAEAAABQAAAAAAAAAAAA4D8AAAAAAADgPwAAAAAAAOA/AAAAAAAA4D8AAAAAAADgPwAAAAAAAOA/AAAAAAAA4D8AAAAAAADgPwAAAAAAAOA/AAAAAAAA4D8CAAAAjAAAAAAAAAAAAAAAu+DjDP///wgAAAAAAAAAAAAAAAAAAAAAAAAAAAAAAAAAAAAAZAAAAAEAAABAAAAAAAAAAAAAAAAAAAAAAAAAAAAAAAAAAAAAAAAAAAAAAAAAAAAAAAAAAAAAAAAAAAAAAAAAAAAAAAAAAAAAAAAAAAAAAAAAAAAAAAAAAAAAAAAAAAAAFAAAADwAAAAAAAAAAAAAAAAAAAkUAAAAAQAAABQAAAAUAAAAFAAAAAEAAAAAAAAAZAAAAGQAAAAAAAAAZAAAAGQAAAAVAAAAYAAAAAAAAAAAAAAADwAAACADAAAAAAAAAAAAAAEAAACgMgAAVgcAAKr4//8BAAAAf39/AAEAAABkAAAAAAAAABQAAABAHwAAAAAAACYAAAAAAAAAwOD//wAAAAAmAAAAZAAAABYAAABMAAAAAAAAAAAAAAAEAAAAAAAAAAEAAACAgIAKAAAAACgAAAAoAAAAZAAAAGQAAAAAAAAAzMzMAAAAAABQAAAAUAAAAGQAAABkAAAAAAAAABcAAAAUAAAAAAAAAAAAAAD/fwAA/38AAAAAAAAJAAAABAAAAAAAAAAeAAAAaAAAAAAAAAAAAAAAAAAAAAAAAAAAAAAAECcAABAnAAAAAAAAAAAAAAAAAAAAAAAAAAAAAAAAAAAAAAAAAAAAABQAAAAAAAAAwMD/AAAAAABkAAAAMgAAAAAAAABkAAAAAAAAAH9/fwAKAAAAIgAAABgAAAAAAAAAAAAAAAAAAAAAAAAAAAAAAAAAAAAkAAAAJAAAAAAAAAAHAAAAAAAAAAAAAAAAAAAAAAAAAAAAAAAAAAAAf39/ACUAAABYAAAAAAAAAAAAAAAAAAAAAAAAAAAAAAAAAAAAAAAAAAAAAAAAAAAAAAAAAAAAAAA/AAAAAAAAAKCGAQAAAAAAAAAAAAAAAAAMAAAAAQAAAAAAAAAAAAAAAAAAAB8AAABUAAAAAAAABQAAAAEAAAAAAAAAAAAAAAAAAAAAAAAAAAAAAAAAAAAAAAAAAAAAAAJ/f38AAAAAA8zMzADAwP8Af39/AAAAAAAAAAAAAAAAAAAAAAAAAAAAIQAAABgAAAAUAAAAwTUAABsnAABARwAAWSkAABAAAAAmAAAACAAAAAAAAAAAAAAA"/>
               </a:ext>
             </a:extLst>
           </p:cNvSpPr>
@@ -2162,10 +2153,10 @@
           <a:bodyPr/>
           <a:lstStyle/>
           <a:p>
-            <a:pPr/>
             <a:fld id="{2B3A0E4D-03C6-6FF8-8882-F5AD40CC7EA0}" type="slidenum">
-              <a:t/>
+              <a:t>‹#›</a:t>
             </a:fld>
+            <a:endParaRPr/>
           </a:p>
         </p:txBody>
       </p:sp>
@@ -2179,7 +2170,7 @@
 </file>
 
 <file path=ppt/slideLayouts/slideLayout8.xml><?xml version="1.0" encoding="utf-8"?>
-<p:sldLayout xmlns:p="http://schemas.openxmlformats.org/presentationml/2006/main" xmlns:mc="http://schemas.openxmlformats.org/markup-compatibility/2006" xmlns:p14="http://schemas.microsoft.com/office/powerpoint/2010/main" xmlns:p15="http://schemas.microsoft.com/office/powerpoint/2012/main" xmlns:r="http://schemas.openxmlformats.org/officeDocument/2006/relationships" xmlns:a="http://schemas.openxmlformats.org/drawingml/2006/main" type="objTx">
+<p:sldLayout xmlns:a="http://schemas.openxmlformats.org/drawingml/2006/main" xmlns:r="http://schemas.openxmlformats.org/officeDocument/2006/relationships" xmlns:p="http://schemas.openxmlformats.org/presentationml/2006/main" type="objTx">
   <p:cSld name="Content with caption">
     <p:spTree>
       <p:nvGrpSpPr>
@@ -2202,7 +2193,7 @@
             <a:spLocks noGrp="1" noChangeArrowheads="1"/>
             <a:extLst>
               <a:ext uri="smNativeData">
-                <pr:smNativeData xmlns:pr="smNativeData" xmlns="smNativeData" val="SMDATA_15_wwJCaRMAAAAlAAAAZAAAAA8BAAAAkAAAAEgAAACQAAAASAAAAAAAAAACAAAAAAAAAAEAAABQAAAAAAAAAAAA4D8AAAAAAADgPwAAAAAAAOA/AAAAAAAA4D8AAAAAAADgPwAAAAAAAOA/AAAAAAAA4D8AAAAAAADgPwAAAAAAAOA/AAAAAAAA4D8CAAAAjAAAAAAAAAAAAAAAu+DjDP///wgAAAAAAAAAAAAAAAAAAAAAAAAAAAAAAAAAAAAAZAAAAAEAAABAAAAAAAAAAAAAAAAAAAAAAAAAAAAAAAAAAAAAAAAAAAAAAAAAAAAAAAAAAAAAAAAAAAAAAAAAAAAAAAAAAAAAAAAAAAAAAAAAAAAAAAAAAAAAAAAAAAAAFAAAADwAAAAAAAAAAAAAAAAAAAkUAAAAAQAAABQAAAAUAAAAFAAAAAEAAAAAAAAAZAAAAGQAAAAAAAAAZAAAAGQAAAAVAAAAYAAAAAAAAAAAAAAADwAAACADAAAAAAAAAAAAAAEAAACgMgAAVgcAAKr4//8BAAAAf39/AAEAAABkAAAAAAAAABQAAABAHwAAAAAAACYAAAAAAAAAwOD//wAAAAAmAAAAZAAAABYAAABMAAAAAAAAAAAAAAAEAAAAAAAAAAEAAACAgIAKAAAAACgAAAAoAAAAZAAAAGQAAAAAAAAAzMzMAAAAAABQAAAAUAAAAGQAAABkAAAAAAAAABcAAAAUAAAAAAAAAAAAAAD/fwAA/38AAAAAAAAJAAAABAAAAAAAAAAeAAAAaAAAAAAAAAAAAAAAAAAAAAAAAAAAAAAAECcAABAnAAAAAAAAAAAAAAAAAAAAAAAAAAAAAAAAAAAAAAAAAAAAABQAAAAAAAAAwMD/AAAAAABkAAAAMgAAAAAAAABkAAAAAAAAAH9/fwAKAAAAIgAAABgAAAAAAAAAAAAAAAAAAAAAAAAAAAAAAAAAAAAkAAAAJAAAAAAAAAAHAAAAAAAAAAAAAAAAAAAAAAAAAAAAAAAAAAAAf39/ACUAAABYAAAAAAAAAAAAAAAAAAAAAAAAAAAAAAAAAAAAAAAAAAAAAAAAAAAAAAAAAAAAAAA/AAAAAAAAAKCGAQAAAAAAAAAAAAAAAAAMAAAAAQAAAAAAAAAAAAAAAAAAAB8AAABUAAAAAAAABQAAAAEAAAAAAAAAAAAAAAAAAAAAAAAAAAAAAAAAAAAAAAAAAAAAAAJ/f38AAAAAA8zMzADAwP8Af39/AAAAAAAAAAAAAAAAAAAAAAAAAAAAIQAAABgAAAAUAAAAwAMAAK4BAABtHAAA1AgAABAAAAAmAAAACAAAAIGAAAAAAAAA"/>
+                <pr:smNativeData xmlns="smNativeData" xmlns:pr="smNativeData" xmlns:p15="http://schemas.microsoft.com/office/powerpoint/2012/main" xmlns:p14="http://schemas.microsoft.com/office/powerpoint/2010/main" xmlns:mc="http://schemas.openxmlformats.org/markup-compatibility/2006" val="SMDATA_15_wwJCaRMAAAAlAAAAZAAAAA8BAAAAkAAAAEgAAACQAAAASAAAAAAAAAACAAAAAAAAAAEAAABQAAAAAAAAAAAA4D8AAAAAAADgPwAAAAAAAOA/AAAAAAAA4D8AAAAAAADgPwAAAAAAAOA/AAAAAAAA4D8AAAAAAADgPwAAAAAAAOA/AAAAAAAA4D8CAAAAjAAAAAAAAAAAAAAAu+DjDP///wgAAAAAAAAAAAAAAAAAAAAAAAAAAAAAAAAAAAAAZAAAAAEAAABAAAAAAAAAAAAAAAAAAAAAAAAAAAAAAAAAAAAAAAAAAAAAAAAAAAAAAAAAAAAAAAAAAAAAAAAAAAAAAAAAAAAAAAAAAAAAAAAAAAAAAAAAAAAAAAAAAAAAFAAAADwAAAAAAAAAAAAAAAAAAAkUAAAAAQAAABQAAAAUAAAAFAAAAAEAAAAAAAAAZAAAAGQAAAAAAAAAZAAAAGQAAAAVAAAAYAAAAAAAAAAAAAAADwAAACADAAAAAAAAAAAAAAEAAACgMgAAVgcAAKr4//8BAAAAf39/AAEAAABkAAAAAAAAABQAAABAHwAAAAAAACYAAAAAAAAAwOD//wAAAAAmAAAAZAAAABYAAABMAAAAAAAAAAAAAAAEAAAAAAAAAAEAAACAgIAKAAAAACgAAAAoAAAAZAAAAGQAAAAAAAAAzMzMAAAAAABQAAAAUAAAAGQAAABkAAAAAAAAABcAAAAUAAAAAAAAAAAAAAD/fwAA/38AAAAAAAAJAAAABAAAAAAAAAAeAAAAaAAAAAAAAAAAAAAAAAAAAAAAAAAAAAAAECcAABAnAAAAAAAAAAAAAAAAAAAAAAAAAAAAAAAAAAAAAAAAAAAAABQAAAAAAAAAwMD/AAAAAABkAAAAMgAAAAAAAABkAAAAAAAAAH9/fwAKAAAAIgAAABgAAAAAAAAAAAAAAAAAAAAAAAAAAAAAAAAAAAAkAAAAJAAAAAAAAAAHAAAAAAAAAAAAAAAAAAAAAAAAAAAAAAAAAAAAf39/ACUAAABYAAAAAAAAAAAAAAAAAAAAAAAAAAAAAAAAAAAAAAAAAAAAAAAAAAAAAAAAAAAAAAA/AAAAAAAAAKCGAQAAAAAAAAAAAAAAAAAMAAAAAQAAAAAAAAAAAAAAAAAAAB8AAABUAAAAAAAABQAAAAEAAAAAAAAAAAAAAAAAAAAAAAAAAAAAAAAAAAAAAAAAAAAAAAJ/f38AAAAAA8zMzADAwP8Af39/AAAAAAAAAAAAAAAAAAAAAAAAAAAAIQAAABgAAAAUAAAAwAMAAK4BAABtHAAA1AgAABAAAAAmAAAACAAAAIGAAAAAAAAA"/>
               </a:ext>
             </a:extLst>
           </p:cNvSpPr>
@@ -2228,7 +2219,6 @@
             </a:lvl1pPr>
           </a:lstStyle>
           <a:p>
-            <a:pPr/>
             <a:r>
               <a:t>Click to edit Master title style</a:t>
             </a:r>
@@ -2242,7 +2232,7 @@
             <a:spLocks noGrp="1" noChangeArrowheads="1"/>
             <a:extLst>
               <a:ext uri="smNativeData">
-                <pr:smNativeData xmlns:pr="smNativeData" xmlns="smNativeData" val="SMDATA_15_wwJCaRMAAAAlAAAAZAAAAA8BAAAAkAAAAEgAAACQAAAASAAAAAAAAAAAAAAAAAAAAAEAAABQAAAAAAAAAAAA4D8AAAAAAADgPwAAAAAAAOA/AAAAAAAA4D8AAAAAAADgPwAAAAAAAOA/AAAAAAAA4D8AAAAAAADgPwAAAAAAAOA/AAAAAAAA4D8CAAAAjAAAAAAAAAAAAAAAu+DjDP///wgAAAAAAAAAAAAAAAAAAAAAAAAAAAAAAAAAAAAAZAAAAAEAAABAAAAAAAAAAAAAAAAAAAAAAAAAAAAAAAAAAAAAAAAAAAAAAAAAAAAAAAAAAAAAAAAAAAAAAAAAAAAAAAAAAAAAAAAAAAAAAAAAAAAAAAAAAAAAAAAAAAAAFAAAADwAAAAAAAAAAAAAAAAAAAkUAAAAAQAAABQAAAAUAAAAFAAAAAEAAAAAAAAAZAAAAGQAAAAAAAAAZAAAAGQAAAAVAAAAYAAAAAAAAAAAAAAADwAAACADAAAAAAAAAAAAAAEAAACgMgAAVgcAAKr4//8BAAAAf39/AAEAAABkAAAAAAAAABQAAABAHwAAAAAAACYAAAAAAAAAwOD//wAAAAAmAAAAZAAAABYAAABMAAAAAAAAAAAAAAAEAAAAAAAAAAEAAACAgIAKAAAAACgAAAAoAAAAZAAAAGQAAAAAAAAAzMzMAAAAAABQAAAAUAAAAGQAAABkAAAAAAAAABcAAAAUAAAAAAAAAAAAAAD/fwAA/38AAAAAAAAJAAAABAAAAAAAAAAeAAAAaAAAAAAAAAAAAAAAAAAAAAAAAAAAAAAAECcAABAnAAAAAAAAAAAAAAAAAAAAAAAAAAAAAAAAAAAAAAAAAAAAABQAAAAAAAAAwMD/AAAAAABkAAAAMgAAAAAAAABkAAAAAAAAAH9/fwAKAAAAIgAAABgAAAAAAAAAAAAAAAAAAAAAAAAAAAAAAAAAAAAkAAAAJAAAAAAAAAAHAAAAAAAAAAAAAAAAAAAAAAAAAAAAAAAAAAAAf39/ACUAAABYAAAAAAAAAAAAAAAAAAAAAAAAAAAAAAAAAAAAAAAAAAAAAAAAAAAAAAAAAAAAAAA/AAAAAAAAAKCGAQAAAAAAAAAAAAAAAAAMAAAAAQAAAAAAAAAAAAAAAAAAAB8AAABUAAAAAAAABQAAAAEAAAAAAAAAAAAAAAAAAAAAAAAAAAAAAAAAAAAAAAAAAAAAAAJ/f38AAAAAA8zMzADAwP8Af39/AAAAAAAAAAAAAAAAAAAAAAAAAAAAIQAAABgAAAAUAAAAUx0AAK4BAABARwAAsCUAABAAAAAmAAAACAAAAAGAAAAAAAAA"/>
+                <pr:smNativeData xmlns="smNativeData" xmlns:pr="smNativeData" xmlns:p15="http://schemas.microsoft.com/office/powerpoint/2012/main" xmlns:p14="http://schemas.microsoft.com/office/powerpoint/2010/main" xmlns:mc="http://schemas.openxmlformats.org/markup-compatibility/2006" val="SMDATA_15_wwJCaRMAAAAlAAAAZAAAAA8BAAAAkAAAAEgAAACQAAAASAAAAAAAAAAAAAAAAAAAAAEAAABQAAAAAAAAAAAA4D8AAAAAAADgPwAAAAAAAOA/AAAAAAAA4D8AAAAAAADgPwAAAAAAAOA/AAAAAAAA4D8AAAAAAADgPwAAAAAAAOA/AAAAAAAA4D8CAAAAjAAAAAAAAAAAAAAAu+DjDP///wgAAAAAAAAAAAAAAAAAAAAAAAAAAAAAAAAAAAAAZAAAAAEAAABAAAAAAAAAAAAAAAAAAAAAAAAAAAAAAAAAAAAAAAAAAAAAAAAAAAAAAAAAAAAAAAAAAAAAAAAAAAAAAAAAAAAAAAAAAAAAAAAAAAAAAAAAAAAAAAAAAAAAFAAAADwAAAAAAAAAAAAAAAAAAAkUAAAAAQAAABQAAAAUAAAAFAAAAAEAAAAAAAAAZAAAAGQAAAAAAAAAZAAAAGQAAAAVAAAAYAAAAAAAAAAAAAAADwAAACADAAAAAAAAAAAAAAEAAACgMgAAVgcAAKr4//8BAAAAf39/AAEAAABkAAAAAAAAABQAAABAHwAAAAAAACYAAAAAAAAAwOD//wAAAAAmAAAAZAAAABYAAABMAAAAAAAAAAAAAAAEAAAAAAAAAAEAAACAgIAKAAAAACgAAAAoAAAAZAAAAGQAAAAAAAAAzMzMAAAAAABQAAAAUAAAAGQAAABkAAAAAAAAABcAAAAUAAAAAAAAAAAAAAD/fwAA/38AAAAAAAAJAAAABAAAAAAAAAAeAAAAaAAAAAAAAAAAAAAAAAAAAAAAAAAAAAAAECcAABAnAAAAAAAAAAAAAAAAAAAAAAAAAAAAAAAAAAAAAAAAAAAAABQAAAAAAAAAwMD/AAAAAABkAAAAMgAAAAAAAABkAAAAAAAAAH9/fwAKAAAAIgAAABgAAAAAAAAAAAAAAAAAAAAAAAAAAAAAAAAAAAAkAAAAJAAAAAAAAAAHAAAAAAAAAAAAAAAAAAAAAAAAAAAAAAAAAAAAf39/ACUAAABYAAAAAAAAAAAAAAAAAAAAAAAAAAAAAAAAAAAAAAAAAAAAAAAAAAAAAAAAAAAAAAA/AAAAAAAAAKCGAQAAAAAAAAAAAAAAAAAMAAAAAQAAAAAAAAAAAAAAAAAAAB8AAABUAAAAAAAABQAAAAEAAAAAAAAAAAAAAAAAAAAAAAAAAAAAAAAAAAAAAAAAAAAAAAJ/f38AAAAAA8zMzADAwP8Af39/AAAAAAAAAAAAAAAAAAAAAAAAAAAAIQAAABgAAAAUAAAAUx0AAK4BAABARwAAsCUAABAAAAAmAAAACAAAAAGAAAAAAAAA"/>
               </a:ext>
             </a:extLst>
           </p:cNvSpPr>
@@ -2288,7 +2278,6 @@
             </a:lvl9pPr>
           </a:lstStyle>
           <a:p>
-            <a:pPr/>
             <a:r>
               <a:t>Click to edit Master text styles</a:t>
             </a:r>
@@ -2326,7 +2315,7 @@
             <a:spLocks noGrp="1" noChangeArrowheads="1"/>
             <a:extLst>
               <a:ext uri="smNativeData">
-                <pr:smNativeData xmlns:pr="smNativeData" xmlns="smNativeData" val="SMDATA_15_wwJCaRMAAAAlAAAAZAAAAA8BAAAAkAAAAEgAAACQAAAASAAAAAAAAAAAAAAAAAAAAAEAAABQAAAAAAAAAAAA4D8AAAAAAADgPwAAAAAAAOA/AAAAAAAA4D8AAAAAAADgPwAAAAAAAOA/AAAAAAAA4D8AAAAAAADgPwAAAAAAAOA/AAAAAAAA4D8CAAAAjAAAAAAAAAAAAAAAu+DjDP///wgAAAAAAAAAAAAAAAAAAAAAAAAAAAAAAAAAAAAAZAAAAAEAAABAAAAAAAAAAAAAAAAAAAAAAAAAAAAAAAAAAAAAAAAAAAAAAAAAAAAAAAAAAAAAAAAAAAAAAAAAAAAAAAAAAAAAAAAAAAAAAAAAAAAAAAAAAAAAAAAAAAAAFAAAADwAAAAAAAAAAAAAAAAAAAkUAAAAAQAAABQAAAAUAAAAFAAAAAEAAAAAAAAAZAAAAGQAAAAAAAAAZAAAAGQAAAAVAAAAYAAAAAAAAAAAAAAADwAAACADAAAAAAAAAAAAAAEAAACgMgAAVgcAAKr4//8BAAAAf39/AAEAAABkAAAAAAAAABQAAABAHwAAAAAAACYAAAAAAAAAwOD//wAAAAAmAAAAZAAAABYAAABMAAAAAAAAAAAAAAAEAAAAAAAAAAEAAACAgIAKAAAAACgAAAAoAAAAZAAAAGQAAAAAAAAAzMzMAAAAAABQAAAAUAAAAGQAAABkAAAAAAAAABcAAAAUAAAAAAAAAAAAAAD/fwAA/38AAAAAAAAJAAAABAAAAAAAAAAeAAAAaAAAAAAAAAAAAAAAAAAAAAAAAAAAAAAAECcAABAnAAAAAAAAAAAAAAAAAAAAAAAAAAAAAAAAAAAAAAAAAAAAABQAAAAAAAAAwMD/AAAAAABkAAAAMgAAAAAAAABkAAAAAAAAAH9/fwAKAAAAIgAAABgAAAAAAAAAAAAAAAAAAAAAAAAAAAAAAAAAAAAkAAAAJAAAAAAAAAAHAAAAAAAAAAAAAAAAAAAAAAAAAAAAAAAAAAAAf39/ACUAAABYAAAAAAAAAAAAAAAAAAAAAAAAAAAAAAAAAAAAAAAAAAAAAAAAAAAAAAAAAAAAAAA/AAAAAAAAAKCGAQAAAAAAAAAAAAAAAAAMAAAAAQAAAAAAAAAAAAAAAAAAAB8AAABUAAAAAAAABQAAAAEAAAAAAAAAAAAAAAAAAAAAAAAAAAAAAAAAAAAAAAAAAAAAAAJ/f38AAAAAA8zMzADAwP8Af39/AAAAAAAAAAAAAAAAAAAAAAAAAAAAIQAAABgAAAAUAAAAwAMAANQIAABtHAAAsCUAABAAAAAmAAAACAAAAAGAAAAAAAAA"/>
+                <pr:smNativeData xmlns="smNativeData" xmlns:pr="smNativeData" xmlns:p15="http://schemas.microsoft.com/office/powerpoint/2012/main" xmlns:p14="http://schemas.microsoft.com/office/powerpoint/2010/main" xmlns:mc="http://schemas.openxmlformats.org/markup-compatibility/2006" val="SMDATA_15_wwJCaRMAAAAlAAAAZAAAAA8BAAAAkAAAAEgAAACQAAAASAAAAAAAAAAAAAAAAAAAAAEAAABQAAAAAAAAAAAA4D8AAAAAAADgPwAAAAAAAOA/AAAAAAAA4D8AAAAAAADgPwAAAAAAAOA/AAAAAAAA4D8AAAAAAADgPwAAAAAAAOA/AAAAAAAA4D8CAAAAjAAAAAAAAAAAAAAAu+DjDP///wgAAAAAAAAAAAAAAAAAAAAAAAAAAAAAAAAAAAAAZAAAAAEAAABAAAAAAAAAAAAAAAAAAAAAAAAAAAAAAAAAAAAAAAAAAAAAAAAAAAAAAAAAAAAAAAAAAAAAAAAAAAAAAAAAAAAAAAAAAAAAAAAAAAAAAAAAAAAAAAAAAAAAFAAAADwAAAAAAAAAAAAAAAAAAAkUAAAAAQAAABQAAAAUAAAAFAAAAAEAAAAAAAAAZAAAAGQAAAAAAAAAZAAAAGQAAAAVAAAAYAAAAAAAAAAAAAAADwAAACADAAAAAAAAAAAAAAEAAACgMgAAVgcAAKr4//8BAAAAf39/AAEAAABkAAAAAAAAABQAAABAHwAAAAAAACYAAAAAAAAAwOD//wAAAAAmAAAAZAAAABYAAABMAAAAAAAAAAAAAAAEAAAAAAAAAAEAAACAgIAKAAAAACgAAAAoAAAAZAAAAGQAAAAAAAAAzMzMAAAAAABQAAAAUAAAAGQAAABkAAAAAAAAABcAAAAUAAAAAAAAAAAAAAD/fwAA/38AAAAAAAAJAAAABAAAAAAAAAAeAAAAaAAAAAAAAAAAAAAAAAAAAAAAAAAAAAAAECcAABAnAAAAAAAAAAAAAAAAAAAAAAAAAAAAAAAAAAAAAAAAAAAAABQAAAAAAAAAwMD/AAAAAABkAAAAMgAAAAAAAABkAAAAAAAAAH9/fwAKAAAAIgAAABgAAAAAAAAAAAAAAAAAAAAAAAAAAAAAAAAAAAAkAAAAJAAAAAAAAAAHAAAAAAAAAAAAAAAAAAAAAAAAAAAAAAAAAAAAf39/ACUAAABYAAAAAAAAAAAAAAAAAAAAAAAAAAAAAAAAAAAAAAAAAAAAAAAAAAAAAAAAAAAAAAA/AAAAAAAAAKCGAQAAAAAAAAAAAAAAAAAMAAAAAQAAAAAAAAAAAAAAAAAAAB8AAABUAAAAAAAABQAAAAEAAAAAAAAAAAAAAAAAAAAAAAAAAAAAAAAAAAAAAAAAAAAAAAJ/f38AAAAAA8zMzADAwP8Af39/AAAAAAAAAAAAAAAAAAAAAAAAAAAAIQAAABgAAAAUAAAAwAMAANQIAABtHAAAsCUAABAAAAAmAAAACAAAAAGAAAAAAAAA"/>
               </a:ext>
             </a:extLst>
           </p:cNvSpPr>
@@ -2381,7 +2370,6 @@
             </a:lvl9pPr>
           </a:lstStyle>
           <a:p>
-            <a:pPr/>
             <a:r>
               <a:t>Click to edit Master text styles</a:t>
             </a:r>
@@ -2395,7 +2383,7 @@
             <a:spLocks noGrp="1" noChangeArrowheads="1"/>
             <a:extLst>
               <a:ext uri="smNativeData">
-                <pr:smNativeData xmlns:pr="smNativeData" xmlns="smNativeData" val="SMDATA_15_wwJCaRMAAAAlAAAAZAAAAA8BAAAAkAAAAEgAAACQAAAASAAAAAAAAAABAAAAAAAAAAEAAABQAAAAAAAAAAAA4D8AAAAAAADgPwAAAAAAAOA/AAAAAAAA4D8AAAAAAADgPwAAAAAAAOA/AAAAAAAA4D8AAAAAAADgPwAAAAAAAOA/AAAAAAAA4D8CAAAAjAAAAAAAAAAAAAAAu+DjDP///wgAAAAAAAAAAAAAAAAAAAAAAAAAAAAAAAAAAAAAZAAAAAEAAABAAAAAAAAAAAAAAAAAAAAAAAAAAAAAAAAAAAAAAAAAAAAAAAAAAAAAAAAAAAAAAAAAAAAAAAAAAAAAAAAAAAAAAAAAAAAAAAAAAAAAAAAAAAAAAAAAAAAAFAAAADwAAAAAAAAAAAAAAAAAAAkUAAAAAQAAABQAAAAUAAAAFAAAAAEAAAAAAAAAZAAAAGQAAAAAAAAAZAAAAGQAAAAVAAAAYAAAAAAAAAAAAAAADwAAACADAAAAAAAAAAAAAAEAAACgMgAAVgcAAKr4//8BAAAAf39/AAEAAABkAAAAAAAAABQAAABAHwAAAAAAACYAAAAAAAAAwOD//wAAAAAmAAAAZAAAABYAAABMAAAAAAAAAAAAAAAEAAAAAAAAAAEAAACAgIAKAAAAACgAAAAoAAAAZAAAAGQAAAAAAAAAzMzMAAAAAABQAAAAUAAAAGQAAABkAAAAAAAAABcAAAAUAAAAAAAAAAAAAAD/fwAA/38AAAAAAAAJAAAABAAAAAAAAAAeAAAAaAAAAAAAAAAAAAAAAAAAAAAAAAAAAAAAECcAABAnAAAAAAAAAAAAAAAAAAAAAAAAAAAAAAAAAAAAAAAAAAAAABQAAAAAAAAAwMD/AAAAAABkAAAAMgAAAAAAAABkAAAAAAAAAH9/fwAKAAAAIgAAABgAAAAAAAAAAAAAAAAAAAAAAAAAAAAAAAAAAAAkAAAAJAAAAAAAAAAHAAAAAAAAAAAAAAAAAAAAAAAAAAAAAAAAAAAAf39/ACUAAABYAAAAAAAAAAAAAAAAAAAAAAAAAAAAAAAAAAAAAAAAAAAAAAAAAAAAAAAAAAAAAAA/AAAAAAAAAKCGAQAAAAAAAAAAAAAAAAAMAAAAAQAAAAAAAAAAAAAAAAAAAB8AAABUAAAAAAAABQAAAAEAAAAAAAAAAAAAAAAAAAAAAAAAAAAAAAAAAAAAAAAAAAAAAAJ/f38AAAAAA8zMzADAwP8Af39/AAAAAAAAAAAAAAAAAAAAAAAAAAAAIQAAABgAAAAUAAAAwAMAABsnAAA/FQAAWSkAABAAAAAmAAAACAAAAAAAAAAAAAAA"/>
+                <pr:smNativeData xmlns="smNativeData" xmlns:pr="smNativeData" xmlns:p15="http://schemas.microsoft.com/office/powerpoint/2012/main" xmlns:p14="http://schemas.microsoft.com/office/powerpoint/2010/main" xmlns:mc="http://schemas.openxmlformats.org/markup-compatibility/2006" val="SMDATA_15_wwJCaRMAAAAlAAAAZAAAAA8BAAAAkAAAAEgAAACQAAAASAAAAAAAAAABAAAAAAAAAAEAAABQAAAAAAAAAAAA4D8AAAAAAADgPwAAAAAAAOA/AAAAAAAA4D8AAAAAAADgPwAAAAAAAOA/AAAAAAAA4D8AAAAAAADgPwAAAAAAAOA/AAAAAAAA4D8CAAAAjAAAAAAAAAAAAAAAu+DjDP///wgAAAAAAAAAAAAAAAAAAAAAAAAAAAAAAAAAAAAAZAAAAAEAAABAAAAAAAAAAAAAAAAAAAAAAAAAAAAAAAAAAAAAAAAAAAAAAAAAAAAAAAAAAAAAAAAAAAAAAAAAAAAAAAAAAAAAAAAAAAAAAAAAAAAAAAAAAAAAAAAAAAAAFAAAADwAAAAAAAAAAAAAAAAAAAkUAAAAAQAAABQAAAAUAAAAFAAAAAEAAAAAAAAAZAAAAGQAAAAAAAAAZAAAAGQAAAAVAAAAYAAAAAAAAAAAAAAADwAAACADAAAAAAAAAAAAAAEAAACgMgAAVgcAAKr4//8BAAAAf39/AAEAAABkAAAAAAAAABQAAABAHwAAAAAAACYAAAAAAAAAwOD//wAAAAAmAAAAZAAAABYAAABMAAAAAAAAAAAAAAAEAAAAAAAAAAEAAACAgIAKAAAAACgAAAAoAAAAZAAAAGQAAAAAAAAAzMzMAAAAAABQAAAAUAAAAGQAAABkAAAAAAAAABcAAAAUAAAAAAAAAAAAAAD/fwAA/38AAAAAAAAJAAAABAAAAAAAAAAeAAAAaAAAAAAAAAAAAAAAAAAAAAAAAAAAAAAAECcAABAnAAAAAAAAAAAAAAAAAAAAAAAAAAAAAAAAAAAAAAAAAAAAABQAAAAAAAAAwMD/AAAAAABkAAAAMgAAAAAAAABkAAAAAAAAAH9/fwAKAAAAIgAAABgAAAAAAAAAAAAAAAAAAAAAAAAAAAAAAAAAAAAkAAAAJAAAAAAAAAAHAAAAAAAAAAAAAAAAAAAAAAAAAAAAAAAAAAAAf39/ACUAAABYAAAAAAAAAAAAAAAAAAAAAAAAAAAAAAAAAAAAAAAAAAAAAAAAAAAAAAAAAAAAAAA/AAAAAAAAAKCGAQAAAAAAAAAAAAAAAAAMAAAAAQAAAAAAAAAAAAAAAAAAAB8AAABUAAAAAAAABQAAAAEAAAAAAAAAAAAAAAAAAAAAAAAAAAAAAAAAAAAAAAAAAAAAAAJ/f38AAAAAA8zMzADAwP8Af39/AAAAAAAAAAAAAAAAAAAAAAAAAAAAIQAAABgAAAAUAAAAwAMAABsnAAA/FQAAWSkAABAAAAAmAAAACAAAAAAAAAAAAAAA"/>
               </a:ext>
             </a:extLst>
           </p:cNvSpPr>
@@ -2408,10 +2396,10 @@
           <a:bodyPr/>
           <a:lstStyle/>
           <a:p>
-            <a:pPr/>
             <a:fld id="{2B3A2994-DAC6-6FDF-8882-2C8A67CC7E79}" type="datetime1">
-              <a:t/>
+              <a:t>12/16/2025</a:t>
             </a:fld>
+            <a:endParaRPr/>
           </a:p>
         </p:txBody>
       </p:sp>
@@ -2422,7 +2410,7 @@
             <a:spLocks noGrp="1" noChangeArrowheads="1"/>
             <a:extLst>
               <a:ext uri="smNativeData">
-                <pr:smNativeData xmlns:pr="smNativeData" xmlns="smNativeData" val="SMDATA_15_wwJCaRMAAAAlAAAAZAAAAA8BAAAAkAAAAEgAAACQAAAASAAAAAAAAAABAAAAAAAAAAEAAABQAAAAAAAAAAAA4D8AAAAAAADgPwAAAAAAAOA/AAAAAAAA4D8AAAAAAADgPwAAAAAAAOA/AAAAAAAA4D8AAAAAAADgPwAAAAAAAOA/AAAAAAAA4D8CAAAAjAAAAAAAAAAAAAAAu+DjDP///wgAAAAAAAAAAAAAAAAAAAAAAAAAAAAAAAAAAAAAZAAAAAEAAABAAAAAAAAAAAAAAAAAAAAAAAAAAAAAAAAAAAAAAAAAAAAAAAAAAAAAAAAAAAAAAAAAAAAAAAAAAAAAAAAAAAAAAAAAAAAAAAAAAAAAAAAAAAAAAAAAAAAAFAAAADwAAAAAAAAAAAAAAAAAAAkUAAAAAQAAABQAAAAUAAAAFAAAAAEAAAAAAAAAZAAAAGQAAAAAAAAAZAAAAGQAAAAVAAAAYAAAAAAAAAAAAAAADwAAACADAAAAAAAAAAAAAAEAAACgMgAAVgcAAKr4//8BAAAAf39/AAEAAABkAAAAAAAAABQAAABAHwAAAAAAACYAAAAAAAAAwOD//wAAAAAmAAAAZAAAABYAAABMAAAAAAAAAAAAAAAEAAAAAAAAAAEAAACAgIAKAAAAACgAAAAoAAAAZAAAAGQAAAAAAAAAzMzMAAAAAABQAAAAUAAAAGQAAABkAAAAAAAAABcAAAAUAAAAAAAAAAAAAAD/fwAA/38AAAAAAAAJAAAABAAAAHNwY0IeAAAAaAAAAAAAAAAAAAAAAAAAAAAAAAAAAAAAECcAABAnAAAAAAAAAAAAAAAAAAAAAAAAAAAAAAAAAAAAAAAAAAAAABQAAAAAAAAAwMD/AAAAAABkAAAAMgAAAAAAAABkAAAAAAAAAH9/fwAKAAAAIgAAABgAAAAAAAAAAAAAAAAAAAAAAAAAAAAAAAAAAAAkAAAAJAAAAAAAAAAHAAAAAAAAAAAAAAAAAAAAAAAAAAAAAAAAAAAAf39/ACUAAABYAAAAAAAAAAAAAAAAAAAAAAAAAAAAAAAAAAAAAAAAAAAAAAAAAAAAAAAAAAAAAAA/AAAAAAAAAKCGAQAAAAAAAAAAAAAAAAAMAAAAAQAAAAAAAAAAAAAAAAAAAB8AAABUAAAAAAAABQAAAAEAAAAAAAAAAAAAAAAAAAAAAAAAAAAAAAAAAAAAAAAAAAAAAAJ/f38AAAAAA8zMzADAwP8Af39/AAAAAAAAAAAAAAAAAAAAAAAAAAAAIQAAABgAAAAUAAAAoRkAABsnAABfMQAAWSkAABAAAAAmAAAACAAAAAAAAAAAAAAA"/>
+                <pr:smNativeData xmlns="smNativeData" xmlns:pr="smNativeData" xmlns:p15="http://schemas.microsoft.com/office/powerpoint/2012/main" xmlns:p14="http://schemas.microsoft.com/office/powerpoint/2010/main" xmlns:mc="http://schemas.openxmlformats.org/markup-compatibility/2006" val="SMDATA_15_wwJCaRMAAAAlAAAAZAAAAA8BAAAAkAAAAEgAAACQAAAASAAAAAAAAAABAAAAAAAAAAEAAABQAAAAAAAAAAAA4D8AAAAAAADgPwAAAAAAAOA/AAAAAAAA4D8AAAAAAADgPwAAAAAAAOA/AAAAAAAA4D8AAAAAAADgPwAAAAAAAOA/AAAAAAAA4D8CAAAAjAAAAAAAAAAAAAAAu+DjDP///wgAAAAAAAAAAAAAAAAAAAAAAAAAAAAAAAAAAAAAZAAAAAEAAABAAAAAAAAAAAAAAAAAAAAAAAAAAAAAAAAAAAAAAAAAAAAAAAAAAAAAAAAAAAAAAAAAAAAAAAAAAAAAAAAAAAAAAAAAAAAAAAAAAAAAAAAAAAAAAAAAAAAAFAAAADwAAAAAAAAAAAAAAAAAAAkUAAAAAQAAABQAAAAUAAAAFAAAAAEAAAAAAAAAZAAAAGQAAAAAAAAAZAAAAGQAAAAVAAAAYAAAAAAAAAAAAAAADwAAACADAAAAAAAAAAAAAAEAAACgMgAAVgcAAKr4//8BAAAAf39/AAEAAABkAAAAAAAAABQAAABAHwAAAAAAACYAAAAAAAAAwOD//wAAAAAmAAAAZAAAABYAAABMAAAAAAAAAAAAAAAEAAAAAAAAAAEAAACAgIAKAAAAACgAAAAoAAAAZAAAAGQAAAAAAAAAzMzMAAAAAABQAAAAUAAAAGQAAABkAAAAAAAAABcAAAAUAAAAAAAAAAAAAAD/fwAA/38AAAAAAAAJAAAABAAAAHNwY0IeAAAAaAAAAAAAAAAAAAAAAAAAAAAAAAAAAAAAECcAABAnAAAAAAAAAAAAAAAAAAAAAAAAAAAAAAAAAAAAAAAAAAAAABQAAAAAAAAAwMD/AAAAAABkAAAAMgAAAAAAAABkAAAAAAAAAH9/fwAKAAAAIgAAABgAAAAAAAAAAAAAAAAAAAAAAAAAAAAAAAAAAAAkAAAAJAAAAAAAAAAHAAAAAAAAAAAAAAAAAAAAAAAAAAAAAAAAAAAAf39/ACUAAABYAAAAAAAAAAAAAAAAAAAAAAAAAAAAAAAAAAAAAAAAAAAAAAAAAAAAAAAAAAAAAAA/AAAAAAAAAKCGAQAAAAAAAAAAAAAAAAAMAAAAAQAAAAAAAAAAAAAAAAAAAB8AAABUAAAAAAAABQAAAAEAAAAAAAAAAAAAAAAAAAAAAAAAAAAAAAAAAAAAAAAAAAAAAAJ/f38AAAAAA8zMzADAwP8Af39/AAAAAAAAAAAAAAAAAAAAAAAAAAAAIQAAABgAAAAUAAAAoRkAABsnAABfMQAAWSkAABAAAAAmAAAACAAAAAAAAAAAAAAA"/>
               </a:ext>
             </a:extLst>
           </p:cNvSpPr>
@@ -2435,7 +2423,7 @@
           <a:bodyPr/>
           <a:lstStyle/>
           <a:p>
-            <a:pPr/>
+            <a:endParaRPr/>
           </a:p>
         </p:txBody>
       </p:sp>
@@ -2446,7 +2434,7 @@
             <a:spLocks noGrp="1" noChangeArrowheads="1"/>
             <a:extLst>
               <a:ext uri="smNativeData">
-                <pr:smNativeData xmlns:pr="smNativeData" xmlns="smNativeData" val="SMDATA_15_wwJCaRMAAAAlAAAAZAAAAA8BAAAAkAAAAEgAAACQAAAASAAAAAAAAAABAAAAAAAAAAEAAABQAAAAAAAAAAAA4D8AAAAAAADgPwAAAAAAAOA/AAAAAAAA4D8AAAAAAADgPwAAAAAAAOA/AAAAAAAA4D8AAAAAAADgPwAAAAAAAOA/AAAAAAAA4D8CAAAAjAAAAAAAAAAAAAAAu+DjDP///wgAAAAAAAAAAAAAAAAAAAAAAAAAAAAAAAAAAAAAZAAAAAEAAABAAAAAAAAAAAAAAAAAAAAAAAAAAAAAAAAAAAAAAAAAAAAAAAAAAAAAAAAAAAAAAAAAAAAAAAAAAAAAAAAAAAAAAAAAAAAAAAAAAAAAAAAAAAAAAAAAAAAAFAAAADwAAAAAAAAAAAAAAAAAAAkUAAAAAQAAABQAAAAUAAAAFAAAAAEAAAAAAAAAZAAAAGQAAAAAAAAAZAAAAGQAAAAVAAAAYAAAAAAAAAAAAAAADwAAACADAAAAAAAAAAAAAAEAAACgMgAAVgcAAKr4//8BAAAAf39/AAEAAABkAAAAAAAAABQAAABAHwAAAAAAACYAAAAAAAAAwOD//wAAAAAmAAAAZAAAABYAAABMAAAAAAAAAAAAAAAEAAAAAAAAAAEAAACAgIAKAAAAACgAAAAoAAAAZAAAAGQAAAAAAAAAzMzMAAAAAABQAAAAUAAAAGQAAABkAAAAAAAAABcAAAAUAAAAAAAAAAAAAAD/fwAA/38AAAAAAAAJAAAABAAAAAAAAAAeAAAAaAAAAAAAAAAAAAAAAAAAAAAAAAAAAAAAECcAABAnAAAAAAAAAAAAAAAAAAAAAAAAAAAAAAAAAAAAAAAAAAAAABQAAAAAAAAAwMD/AAAAAABkAAAAMgAAAAAAAABkAAAAAAAAAH9/fwAKAAAAIgAAABgAAAAAAAAAAAAAAAAAAAAAAAAAAAAAAAAAAAAkAAAAJAAAAAAAAAAHAAAAAAAAAAAAAAAAAAAAAAAAAAAAAAAAAAAAf39/ACUAAABYAAAAAAAAAAAAAAAAAAAAAAAAAAAAAAAAAAAAAAAAAAAAAAAAAAAAAAAAAAAAAAA/AAAAAAAAAKCGAQAAAAAAAAAAAAAAAAAMAAAAAQAAAAAAAAAAAAAAAAAAAB8AAABUAAAAAAAABQAAAAEAAAAAAAAAAAAAAAAAAAAAAAAAAAAAAAAAAAAAAAAAAAAAAAJ/f38AAAAAA8zMzADAwP8Af39/AAAAAAAAAAAAAAAAAAAAAAAAAAAAIQAAABgAAAAUAAAAwTUAABsnAABARwAAWSkAABAAAAAmAAAACAAAAAAAAAAAAAAA"/>
+                <pr:smNativeData xmlns="smNativeData" xmlns:pr="smNativeData" xmlns:p15="http://schemas.microsoft.com/office/powerpoint/2012/main" xmlns:p14="http://schemas.microsoft.com/office/powerpoint/2010/main" xmlns:mc="http://schemas.openxmlformats.org/markup-compatibility/2006" val="SMDATA_15_wwJCaRMAAAAlAAAAZAAAAA8BAAAAkAAAAEgAAACQAAAASAAAAAAAAAABAAAAAAAAAAEAAABQAAAAAAAAAAAA4D8AAAAAAADgPwAAAAAAAOA/AAAAAAAA4D8AAAAAAADgPwAAAAAAAOA/AAAAAAAA4D8AAAAAAADgPwAAAAAAAOA/AAAAAAAA4D8CAAAAjAAAAAAAAAAAAAAAu+DjDP///wgAAAAAAAAAAAAAAAAAAAAAAAAAAAAAAAAAAAAAZAAAAAEAAABAAAAAAAAAAAAAAAAAAAAAAAAAAAAAAAAAAAAAAAAAAAAAAAAAAAAAAAAAAAAAAAAAAAAAAAAAAAAAAAAAAAAAAAAAAAAAAAAAAAAAAAAAAAAAAAAAAAAAFAAAADwAAAAAAAAAAAAAAAAAAAkUAAAAAQAAABQAAAAUAAAAFAAAAAEAAAAAAAAAZAAAAGQAAAAAAAAAZAAAAGQAAAAVAAAAYAAAAAAAAAAAAAAADwAAACADAAAAAAAAAAAAAAEAAACgMgAAVgcAAKr4//8BAAAAf39/AAEAAABkAAAAAAAAABQAAABAHwAAAAAAACYAAAAAAAAAwOD//wAAAAAmAAAAZAAAABYAAABMAAAAAAAAAAAAAAAEAAAAAAAAAAEAAACAgIAKAAAAACgAAAAoAAAAZAAAAGQAAAAAAAAAzMzMAAAAAABQAAAAUAAAAGQAAABkAAAAAAAAABcAAAAUAAAAAAAAAAAAAAD/fwAA/38AAAAAAAAJAAAABAAAAAAAAAAeAAAAaAAAAAAAAAAAAAAAAAAAAAAAAAAAAAAAECcAABAnAAAAAAAAAAAAAAAAAAAAAAAAAAAAAAAAAAAAAAAAAAAAABQAAAAAAAAAwMD/AAAAAABkAAAAMgAAAAAAAABkAAAAAAAAAH9/fwAKAAAAIgAAABgAAAAAAAAAAAAAAAAAAAAAAAAAAAAAAAAAAAAkAAAAJAAAAAAAAAAHAAAAAAAAAAAAAAAAAAAAAAAAAAAAAAAAAAAAf39/ACUAAABYAAAAAAAAAAAAAAAAAAAAAAAAAAAAAAAAAAAAAAAAAAAAAAAAAAAAAAAAAAAAAAA/AAAAAAAAAKCGAQAAAAAAAAAAAAAAAAAMAAAAAQAAAAAAAAAAAAAAAAAAAB8AAABUAAAAAAAABQAAAAEAAAAAAAAAAAAAAAAAAAAAAAAAAAAAAAAAAAAAAAAAAAAAAAJ/f38AAAAAA8zMzADAwP8Af39/AAAAAAAAAAAAAAAAAAAAAAAAAAAAIQAAABgAAAAUAAAAwTUAABsnAABARwAAWSkAABAAAAAmAAAACAAAAAAAAAAAAAAA"/>
               </a:ext>
             </a:extLst>
           </p:cNvSpPr>
@@ -2459,10 +2447,10 @@
           <a:bodyPr/>
           <a:lstStyle/>
           <a:p>
-            <a:pPr/>
             <a:fld id="{2B3A26F1-BFC6-6FD0-8882-498568CC7E1C}" type="slidenum">
-              <a:t/>
+              <a:t>‹#›</a:t>
             </a:fld>
+            <a:endParaRPr/>
           </a:p>
         </p:txBody>
       </p:sp>
@@ -2476,7 +2464,7 @@
 </file>
 
 <file path=ppt/slideLayouts/slideLayout9.xml><?xml version="1.0" encoding="utf-8"?>
-<p:sldLayout xmlns:p="http://schemas.openxmlformats.org/presentationml/2006/main" xmlns:mc="http://schemas.openxmlformats.org/markup-compatibility/2006" xmlns:p14="http://schemas.microsoft.com/office/powerpoint/2010/main" xmlns:p15="http://schemas.microsoft.com/office/powerpoint/2012/main" xmlns:r="http://schemas.openxmlformats.org/officeDocument/2006/relationships" xmlns:a="http://schemas.openxmlformats.org/drawingml/2006/main" type="picTx">
+<p:sldLayout xmlns:a="http://schemas.openxmlformats.org/drawingml/2006/main" xmlns:r="http://schemas.openxmlformats.org/officeDocument/2006/relationships" xmlns:p="http://schemas.openxmlformats.org/presentationml/2006/main" type="picTx">
   <p:cSld name="Picture with caption">
     <p:spTree>
       <p:nvGrpSpPr>
@@ -2499,7 +2487,7 @@
             <a:spLocks noGrp="1" noChangeArrowheads="1"/>
             <a:extLst>
               <a:ext uri="smNativeData">
-                <pr:smNativeData xmlns:pr="smNativeData" xmlns="smNativeData" val="SMDATA_15_wwJCaRMAAAAlAAAAZAAAAA8BAAAAkAAAAEgAAACQAAAASAAAAAAAAAACAAAAAAAAAAEAAABQAAAAAAAAAAAA4D8AAAAAAADgPwAAAAAAAOA/AAAAAAAA4D8AAAAAAADgPwAAAAAAAOA/AAAAAAAA4D8AAAAAAADgPwAAAAAAAOA/AAAAAAAA4D8CAAAAjAAAAAAAAAAAAAAAu+DjDP///wgAAAAAAAAAAAAAAAAAAAAAAAAAAAAAAAAAAAAAZAAAAAEAAABAAAAAAAAAAAAAAAAAAAAAAAAAAAAAAAAAAAAAAAAAAAAAAAAAAAAAAAAAAAAAAAAAAAAAAAAAAAAAAAAAAAAAAAAAAAAAAAAAAAAAAAAAAAAAAAAAAAAAFAAAADwAAAAAAAAAAAAAAAAAAAkUAAAAAQAAABQAAAAUAAAAFAAAAAEAAAAAAAAAZAAAAGQAAAAAAAAAZAAAAGQAAAAVAAAAYAAAAAAAAAAAAAAADwAAACADAAAAAAAAAAAAAAEAAACgMgAAVgcAAKr4//8BAAAAf39/AAEAAABkAAAAAAAAABQAAABAHwAAAAAAACYAAAAAAAAAwOD//wAAAAAmAAAAZAAAABYAAABMAAAAAAAAAAAAAAAEAAAAAAAAAAEAAACAgIAKAAAAACgAAAAoAAAAZAAAAGQAAAAAAAAAzMzMAAAAAABQAAAAUAAAAGQAAABkAAAAAAAAABcAAAAUAAAAAAAAAAAAAAD/fwAA/38AAAAAAAAJAAAABAAAAAAAAAAeAAAAaAAAAAAAAAAAAAAAAAAAAAAAAAAAAAAAECcAABAnAAAAAAAAAAAAAAAAAAAAAAAAAAAAAAAAAAAAAAAAAAAAABQAAAAAAAAAwMD/AAAAAABkAAAAMgAAAAAAAABkAAAAAAAAAH9/fwAKAAAAIgAAABgAAAAAAAAAAAAAAAAAAAAAAAAAAAAAAAAAAAAkAAAAJAAAAAAAAAAHAAAAAAAAAAAAAAAAAAAAAAAAAAAAAAAAAAAAf39/ACUAAABYAAAAAAAAAAAAAAAAAAAAAAAAAAAAAAAAAAAAAAAAAAAAAAAAAAAAAAAAAAAAAAA/AAAAAAAAAKCGAQAAAAAAAAAAAAAAAAAMAAAAAQAAAAAAAAAAAAAAAAAAAB8AAABUAAAAAAAABQAAAAEAAAAAAAAAAAAAAAAAAAAAAAAAAAAAAAAAAAAAAAAAAAAAAAJ/f38AAAAAA8zMzADAwP8Af39/AAAAAAAAAAAAAAAAAAAAAAAAAAAAIQAAABgAAAAUAAAAsw4AAIgdAACzOwAABCEAABAAAAAmAAAACAAAAIGAAAAAAAAA"/>
+                <pr:smNativeData xmlns="smNativeData" xmlns:pr="smNativeData" xmlns:p15="http://schemas.microsoft.com/office/powerpoint/2012/main" xmlns:p14="http://schemas.microsoft.com/office/powerpoint/2010/main" xmlns:mc="http://schemas.openxmlformats.org/markup-compatibility/2006" val="SMDATA_15_wwJCaRMAAAAlAAAAZAAAAA8BAAAAkAAAAEgAAACQAAAASAAAAAAAAAACAAAAAAAAAAEAAABQAAAAAAAAAAAA4D8AAAAAAADgPwAAAAAAAOA/AAAAAAAA4D8AAAAAAADgPwAAAAAAAOA/AAAAAAAA4D8AAAAAAADgPwAAAAAAAOA/AAAAAAAA4D8CAAAAjAAAAAAAAAAAAAAAu+DjDP///wgAAAAAAAAAAAAAAAAAAAAAAAAAAAAAAAAAAAAAZAAAAAEAAABAAAAAAAAAAAAAAAAAAAAAAAAAAAAAAAAAAAAAAAAAAAAAAAAAAAAAAAAAAAAAAAAAAAAAAAAAAAAAAAAAAAAAAAAAAAAAAAAAAAAAAAAAAAAAAAAAAAAAFAAAADwAAAAAAAAAAAAAAAAAAAkUAAAAAQAAABQAAAAUAAAAFAAAAAEAAAAAAAAAZAAAAGQAAAAAAAAAZAAAAGQAAAAVAAAAYAAAAAAAAAAAAAAADwAAACADAAAAAAAAAAAAAAEAAACgMgAAVgcAAKr4//8BAAAAf39/AAEAAABkAAAAAAAAABQAAABAHwAAAAAAACYAAAAAAAAAwOD//wAAAAAmAAAAZAAAABYAAABMAAAAAAAAAAAAAAAEAAAAAAAAAAEAAACAgIAKAAAAACgAAAAoAAAAZAAAAGQAAAAAAAAAzMzMAAAAAABQAAAAUAAAAGQAAABkAAAAAAAAABcAAAAUAAAAAAAAAAAAAAD/fwAA/38AAAAAAAAJAAAABAAAAAAAAAAeAAAAaAAAAAAAAAAAAAAAAAAAAAAAAAAAAAAAECcAABAnAAAAAAAAAAAAAAAAAAAAAAAAAAAAAAAAAAAAAAAAAAAAABQAAAAAAAAAwMD/AAAAAABkAAAAMgAAAAAAAABkAAAAAAAAAH9/fwAKAAAAIgAAABgAAAAAAAAAAAAAAAAAAAAAAAAAAAAAAAAAAAAkAAAAJAAAAAAAAAAHAAAAAAAAAAAAAAAAAAAAAAAAAAAAAAAAAAAAf39/ACUAAABYAAAAAAAAAAAAAAAAAAAAAAAAAAAAAAAAAAAAAAAAAAAAAAAAAAAAAAAAAAAAAAA/AAAAAAAAAKCGAQAAAAAAAAAAAAAAAAAMAAAAAQAAAAAAAAAAAAAAAAAAAB8AAABUAAAAAAAABQAAAAEAAAAAAAAAAAAAAAAAAAAAAAAAAAAAAAAAAAAAAAAAAAAAAAJ/f38AAAAAA8zMzADAwP8Af39/AAAAAAAAAAAAAAAAAAAAAAAAAAAAIQAAABgAAAAUAAAAsw4AAIgdAACzOwAABCEAABAAAAAmAAAACAAAAIGAAAAAAAAA"/>
               </a:ext>
             </a:extLst>
           </p:cNvSpPr>
@@ -2525,7 +2513,6 @@
             </a:lvl1pPr>
           </a:lstStyle>
           <a:p>
-            <a:pPr/>
             <a:r>
               <a:t>Click to edit Master title style</a:t>
             </a:r>
@@ -2539,7 +2526,7 @@
             <a:spLocks noGrp="1" noChangeArrowheads="1"/>
             <a:extLst>
               <a:ext uri="smNativeData">
-                <pr:smNativeData xmlns:pr="smNativeData" xmlns="smNativeData" val="SMDATA_15_wwJCaRMAAAAlAAAAZAAAAA8BAAAAkAAAAEgAAACQAAAASAAAAAAAAAAAAAAAAAAAAAEAAABQAAAAAAAAAAAA4D8AAAAAAADgPwAAAAAAAOA/AAAAAAAA4D8AAAAAAADgPwAAAAAAAOA/AAAAAAAA4D8AAAAAAADgPwAAAAAAAOA/AAAAAAAA4D8CAAAAjAAAAAAAAAAAAAAAu+DjDP///wgAAAAAAAAAAAAAAAAAAAAAAAAAAAAAAAAAAAAAZAAAAAEAAABAAAAAAAAAAAAAAAAAAAAAAAAAAAAAAAAAAAAAAAAAAAAAAAAAAAAAAAAAAAAAAAAAAAAAAAAAAAAAAAAAAAAAAAAAAAAAAAAAAAAAAAAAAAAAAAAAAAAAFAAAADwAAAAAAAAAAAAAAAAAAAkUAAAAAQAAABQAAAAUAAAAFAAAAAEAAAAAAAAAZAAAAGQAAAAAAAAAZAAAAGQAAAAVAAAAYAAAAAAAAAAAAAAADwAAACADAAAAAAAAAAAAAAEAAACgMgAAVgcAAKr4//8BAAAAf39/AAEAAABkAAAAAAAAABQAAABAHwAAAAAAACYAAAAAAAAAwOD//wAAAAAmAAAAZAAAABYAAABMAAAAAAAAAAAAAAAEAAAAAAAAAAEAAACAgIAKAAAAACgAAAAoAAAAZAAAAGQAAAAAAAAAzMzMAAAAAABQAAAAUAAAAGQAAABkAAAAAAAAABcAAAAUAAAAAAAAAAAAAAD/fwAA/38AAAAAAAAJAAAABAAAAAAAAAAeAAAAaAAAAAAAAAAAAAAAAAAAAAAAAAAAAAAAECcAABAnAAAAAAAAAAAAAAAAAAAAAAAAAAAAAAAAAAAAAAAAAAAAABQAAAAAAAAAwMD/AAAAAABkAAAAMgAAAAAAAABkAAAAAAAAAH9/fwAKAAAAIgAAABgAAAAAAAAAAAAAAAAAAAAAAAAAAAAAAAAAAAAkAAAAJAAAAAAAAAAHAAAAAAAAAAAAAAAAAAAAAAAAAAAAAAAAAAAAf39/ACUAAABYAAAAAAAAAAAAAAAAAAAAAAAAAAAAAAAAAAAAAAAAAAAAAAAAAAAAAAAAAAAAAAA/AAAAAAAAAKCGAQAAAAAAAAAAAAAAAAAMAAAAAQAAAAAAAAAAAAAAAAAAAB8AAABUAAAAAAAABQAAAAEAAAAAAAAAAAAAAAAAAAAAAAAAAAAAAAAAAAAAAAAAAAAAAAJ/f38AAAAAA8zMzADAwP8Af39/AAAAAAAAAAAAAAAAAAAAAAAAAAAAIQAAABgAAAAUAAAAsw4AAMYDAACzOwAAFh0AABAAAAAmAAAACAAAAAGAAAAAAAAA"/>
+                <pr:smNativeData xmlns="smNativeData" xmlns:pr="smNativeData" xmlns:p15="http://schemas.microsoft.com/office/powerpoint/2012/main" xmlns:p14="http://schemas.microsoft.com/office/powerpoint/2010/main" xmlns:mc="http://schemas.openxmlformats.org/markup-compatibility/2006" val="SMDATA_15_wwJCaRMAAAAlAAAAZAAAAA8BAAAAkAAAAEgAAACQAAAASAAAAAAAAAAAAAAAAAAAAAEAAABQAAAAAAAAAAAA4D8AAAAAAADgPwAAAAAAAOA/AAAAAAAA4D8AAAAAAADgPwAAAAAAAOA/AAAAAAAA4D8AAAAAAADgPwAAAAAAAOA/AAAAAAAA4D8CAAAAjAAAAAAAAAAAAAAAu+DjDP///wgAAAAAAAAAAAAAAAAAAAAAAAAAAAAAAAAAAAAAZAAAAAEAAABAAAAAAAAAAAAAAAAAAAAAAAAAAAAAAAAAAAAAAAAAAAAAAAAAAAAAAAAAAAAAAAAAAAAAAAAAAAAAAAAAAAAAAAAAAAAAAAAAAAAAAAAAAAAAAAAAAAAAFAAAADwAAAAAAAAAAAAAAAAAAAkUAAAAAQAAABQAAAAUAAAAFAAAAAEAAAAAAAAAZAAAAGQAAAAAAAAAZAAAAGQAAAAVAAAAYAAAAAAAAAAAAAAADwAAACADAAAAAAAAAAAAAAEAAACgMgAAVgcAAKr4//8BAAAAf39/AAEAAABkAAAAAAAAABQAAABAHwAAAAAAACYAAAAAAAAAwOD//wAAAAAmAAAAZAAAABYAAABMAAAAAAAAAAAAAAAEAAAAAAAAAAEAAACAgIAKAAAAACgAAAAoAAAAZAAAAGQAAAAAAAAAzMzMAAAAAABQAAAAUAAAAGQAAABkAAAAAAAAABcAAAAUAAAAAAAAAAAAAAD/fwAA/38AAAAAAAAJAAAABAAAAAAAAAAeAAAAaAAAAAAAAAAAAAAAAAAAAAAAAAAAAAAAECcAABAnAAAAAAAAAAAAAAAAAAAAAAAAAAAAAAAAAAAAAAAAAAAAABQAAAAAAAAAwMD/AAAAAABkAAAAMgAAAAAAAABkAAAAAAAAAH9/fwAKAAAAIgAAABgAAAAAAAAAAAAAAAAAAAAAAAAAAAAAAAAAAAAkAAAAJAAAAAAAAAAHAAAAAAAAAAAAAAAAAAAAAAAAAAAAAAAAAAAAf39/ACUAAABYAAAAAAAAAAAAAAAAAAAAAAAAAAAAAAAAAAAAAAAAAAAAAAAAAAAAAAAAAAAAAAA/AAAAAAAAAKCGAQAAAAAAAAAAAAAAAAAMAAAAAQAAAAAAAAAAAAAAAAAAAB8AAABUAAAAAAAABQAAAAEAAAAAAAAAAAAAAAAAAAAAAAAAAAAAAAAAAAAAAAAAAAAAAAJ/f38AAAAAA8zMzADAwP8Af39/AAAAAAAAAAAAAAAAAAAAAAAAAAAAIQAAABgAAAAUAAAAsw4AAMYDAACzOwAAFh0AABAAAAAmAAAACAAAAAGAAAAAAAAA"/>
               </a:ext>
             </a:extLst>
           </p:cNvSpPr>
@@ -2594,7 +2581,6 @@
             </a:lvl9pPr>
           </a:lstStyle>
           <a:p>
-            <a:pPr/>
             <a:r>
               <a:t>Click to edit Master text styles</a:t>
             </a:r>
@@ -2608,7 +2594,7 @@
             <a:spLocks noGrp="1" noChangeArrowheads="1"/>
             <a:extLst>
               <a:ext uri="smNativeData">
-                <pr:smNativeData xmlns:pr="smNativeData" xmlns="smNativeData" val="SMDATA_15_wwJCaRMAAAAlAAAAZAAAAA8BAAAAkAAAAEgAAACQAAAASAAAAAAAAAAAAAAAAAAAAAEAAABQAAAAAAAAAAAA4D8AAAAAAADgPwAAAAAAAOA/AAAAAAAA4D8AAAAAAADgPwAAAAAAAOA/AAAAAAAA4D8AAAAAAADgPwAAAAAAAOA/AAAAAAAA4D8CAAAAjAAAAAAAAAAAAAAAu+DjDP///wgAAAAAAAAAAAAAAAAAAAAAAAAAAAAAAAAAAAAAZAAAAAEAAABAAAAAAAAAAAAAAAAAAAAAAAAAAAAAAAAAAAAAAAAAAAAAAAAAAAAAAAAAAAAAAAAAAAAAAAAAAAAAAAAAAAAAAAAAAAAAAAAAAAAAAAAAAAAAAAAAAAAAFAAAADwAAAAAAAAAAAAAAAAAAAkUAAAAAQAAABQAAAAUAAAAFAAAAAEAAAAAAAAAZAAAAGQAAAAAAAAAZAAAAGQAAAAVAAAAYAAAAAAAAAAAAAAADwAAACADAAAAAAAAAAAAAAEAAACgMgAAVgcAAKr4//8BAAAAf39/AAEAAABkAAAAAAAAABQAAABAHwAAAAAAACYAAAAAAAAAwOD//wAAAAAmAAAAZAAAABYAAABMAAAAAAAAAAAAAAAEAAAAAAAAAAEAAACAgIAKAAAAACgAAAAoAAAAZAAAAGQAAAAAAAAAzMzMAAAAAABQAAAAUAAAAGQAAABkAAAAAAAAABcAAAAUAAAAAAAAAAAAAAD/fwAA/38AAAAAAAAJAAAABAAAAAAAAAAeAAAAaAAAAAAAAAAAAAAAAAAAAAAAAAAAAAAAECcAABAnAAAAAAAAAAAAAAAAAAAAAAAAAAAAAAAAAAAAAAAAAAAAABQAAAAAAAAAwMD/AAAAAABkAAAAMgAAAAAAAABkAAAAAAAAAH9/fwAKAAAAIgAAABgAAAAAAAAAAAAAAAAAAAAAAAAAAAAAAAAAAAAkAAAAJAAAAAAAAAAHAAAAAAAAAAAAAAAAAAAAAAAAAAAAAAAAAAAAf39/ACUAAABYAAAAAAAAAAAAAAAAAAAAAAAAAAAAAAAAAAAAAAAAAAAAAAAAAAAAAAAAAAAAAAA/AAAAAAAAAKCGAQAAAAAAAAAAAAAAAAAMAAAAAQAAAAAAAAAAAAAAAAAAAB8AAABUAAAAAAAABQAAAAEAAAAAAAAAAAAAAAAAAAAAAAAAAAAAAAAAAAAAAAAAAAAAAAJ/f38AAAAAA8zMzADAwP8Af39/AAAAAAAAAAAAAAAAAAAAAAAAAAAAIQAAABgAAAAUAAAAsw4AAAQhAACzOwAA+CUAABAAAAAmAAAACAAAAAGAAAAAAAAA"/>
+                <pr:smNativeData xmlns="smNativeData" xmlns:pr="smNativeData" xmlns:p15="http://schemas.microsoft.com/office/powerpoint/2012/main" xmlns:p14="http://schemas.microsoft.com/office/powerpoint/2010/main" xmlns:mc="http://schemas.openxmlformats.org/markup-compatibility/2006" val="SMDATA_15_wwJCaRMAAAAlAAAAZAAAAA8BAAAAkAAAAEgAAACQAAAASAAAAAAAAAAAAAAAAAAAAAEAAABQAAAAAAAAAAAA4D8AAAAAAADgPwAAAAAAAOA/AAAAAAAA4D8AAAAAAADgPwAAAAAAAOA/AAAAAAAA4D8AAAAAAADgPwAAAAAAAOA/AAAAAAAA4D8CAAAAjAAAAAAAAAAAAAAAu+DjDP///wgAAAAAAAAAAAAAAAAAAAAAAAAAAAAAAAAAAAAAZAAAAAEAAABAAAAAAAAAAAAAAAAAAAAAAAAAAAAAAAAAAAAAAAAAAAAAAAAAAAAAAAAAAAAAAAAAAAAAAAAAAAAAAAAAAAAAAAAAAAAAAAAAAAAAAAAAAAAAAAAAAAAAFAAAADwAAAAAAAAAAAAAAAAAAAkUAAAAAQAAABQAAAAUAAAAFAAAAAEAAAAAAAAAZAAAAGQAAAAAAAAAZAAAAGQAAAAVAAAAYAAAAAAAAAAAAAAADwAAACADAAAAAAAAAAAAAAEAAACgMgAAVgcAAKr4//8BAAAAf39/AAEAAABkAAAAAAAAABQAAABAHwAAAAAAACYAAAAAAAAAwOD//wAAAAAmAAAAZAAAABYAAABMAAAAAAAAAAAAAAAEAAAAAAAAAAEAAACAgIAKAAAAACgAAAAoAAAAZAAAAGQAAAAAAAAAzMzMAAAAAABQAAAAUAAAAGQAAABkAAAAAAAAABcAAAAUAAAAAAAAAAAAAAD/fwAA/38AAAAAAAAJAAAABAAAAAAAAAAeAAAAaAAAAAAAAAAAAAAAAAAAAAAAAAAAAAAAECcAABAnAAAAAAAAAAAAAAAAAAAAAAAAAAAAAAAAAAAAAAAAAAAAABQAAAAAAAAAwMD/AAAAAABkAAAAMgAAAAAAAABkAAAAAAAAAH9/fwAKAAAAIgAAABgAAAAAAAAAAAAAAAAAAAAAAAAAAAAAAAAAAAAkAAAAJAAAAAAAAAAHAAAAAAAAAAAAAAAAAAAAAAAAAAAAAAAAAAAAf39/ACUAAABYAAAAAAAAAAAAAAAAAAAAAAAAAAAAAAAAAAAAAAAAAAAAAAAAAAAAAAAAAAAAAAA/AAAAAAAAAKCGAQAAAAAAAAAAAAAAAAAMAAAAAQAAAAAAAAAAAAAAAAAAAB8AAABUAAAAAAAABQAAAAEAAAAAAAAAAAAAAAAAAAAAAAAAAAAAAAAAAAAAAAAAAAAAAAJ/f38AAAAAA8zMzADAwP8Af39/AAAAAAAAAAAAAAAAAAAAAAAAAAAAIQAAABgAAAAUAAAAsw4AAAQhAACzOwAA+CUAABAAAAAmAAAACAAAAAGAAAAAAAAA"/>
               </a:ext>
             </a:extLst>
           </p:cNvSpPr>
@@ -2663,7 +2649,6 @@
             </a:lvl9pPr>
           </a:lstStyle>
           <a:p>
-            <a:pPr/>
             <a:r>
               <a:t>Click to edit Master text styles</a:t>
             </a:r>
@@ -2677,7 +2662,7 @@
             <a:spLocks noGrp="1" noChangeArrowheads="1"/>
             <a:extLst>
               <a:ext uri="smNativeData">
-                <pr:smNativeData xmlns:pr="smNativeData" xmlns="smNativeData" val="SMDATA_15_wwJCaRMAAAAlAAAAZAAAAA8BAAAAkAAAAEgAAACQAAAASAAAAAAAAAABAAAAAAAAAAEAAABQAAAAAAAAAAAA4D8AAAAAAADgPwAAAAAAAOA/AAAAAAAA4D8AAAAAAADgPwAAAAAAAOA/AAAAAAAA4D8AAAAAAADgPwAAAAAAAOA/AAAAAAAA4D8CAAAAjAAAAAAAAAAAAAAAu+DjDP///wgAAAAAAAAAAAAAAAAAAAAAAAAAAAAAAAAAAAAAZAAAAAEAAABAAAAAAAAAAAAAAAAAAAAAAAAAAAAAAAAAAAAAAAAAAAAAAAAAAAAAAAAAAAAAAAAAAAAAAAAAAAAAAAAAAAAAAAAAAAAAAAAAAAAAAAAAAAAAAAAAAAAAFAAAADwAAAAAAAAAAAAAAAAAAAkUAAAAAQAAABQAAAAUAAAAFAAAAAEAAAAAAAAAZAAAAGQAAAAAAAAAZAAAAGQAAAAVAAAAYAAAAAAAAAAAAAAADwAAACADAAAAAAAAAAAAAAEAAACgMgAAVgcAAKr4//8BAAAAf39/AAEAAABkAAAAAAAAABQAAABAHwAAAAAAACYAAAAAAAAAwOD//wAAAAAmAAAAZAAAABYAAABMAAAAAAAAAAAAAAAEAAAAAAAAAAEAAACAgIAKAAAAACgAAAAoAAAAZAAAAGQAAAAAAAAAzMzMAAAAAABQAAAAUAAAAGQAAABkAAAAAAAAABcAAAAUAAAAAAAAAAAAAAD/fwAA/38AAAAAAAAJAAAABAAAAAAAAAAeAAAAaAAAAAAAAAAAAAAAAAAAAAAAAAAAAAAAECcAABAnAAAAAAAAAAAAAAAAAAAAAAAAAAAAAAAAAAAAAAAAAAAAABQAAAAAAAAAwMD/AAAAAABkAAAAMgAAAAAAAABkAAAAAAAAAH9/fwAKAAAAIgAAABgAAAAAAAAAAAAAAAAAAAAAAAAAAAAAAAAAAAAkAAAAJAAAAAAAAAAHAAAAAAAAAAAAAAAAAAAAAAAAAAAAAAAAAAAAf39/ACUAAABYAAAAAAAAAAAAAAAAAAAAAAAAAAAAAAAAAAAAAAAAAAAAAAAAAAAAAAAAAAAAAAA/AAAAAAAAAKCGAQAAAAAAAAAAAAAAAAAMAAAAAQAAAAAAAAAAAAAAAAAAAB8AAABUAAAAAAAABQAAAAEAAAAAAAAAAAAAAAAAAAAAAAAAAAAAAAAAAAAAAAAAAAAAAAJ/f38AAAAAA8zMzADAwP8Af39/AAAAAAAAAAAAAAAAAAAAAAAAAAAAIQAAABgAAAAUAAAAwAMAABsnAAA/FQAAWSkAABAAAAAmAAAACAAAAAAAAAAAAAAA"/>
+                <pr:smNativeData xmlns="smNativeData" xmlns:pr="smNativeData" xmlns:p15="http://schemas.microsoft.com/office/powerpoint/2012/main" xmlns:p14="http://schemas.microsoft.com/office/powerpoint/2010/main" xmlns:mc="http://schemas.openxmlformats.org/markup-compatibility/2006" val="SMDATA_15_wwJCaRMAAAAlAAAAZAAAAA8BAAAAkAAAAEgAAACQAAAASAAAAAAAAAABAAAAAAAAAAEAAABQAAAAAAAAAAAA4D8AAAAAAADgPwAAAAAAAOA/AAAAAAAA4D8AAAAAAADgPwAAAAAAAOA/AAAAAAAA4D8AAAAAAADgPwAAAAAAAOA/AAAAAAAA4D8CAAAAjAAAAAAAAAAAAAAAu+DjDP///wgAAAAAAAAAAAAAAAAAAAAAAAAAAAAAAAAAAAAAZAAAAAEAAABAAAAAAAAAAAAAAAAAAAAAAAAAAAAAAAAAAAAAAAAAAAAAAAAAAAAAAAAAAAAAAAAAAAAAAAAAAAAAAAAAAAAAAAAAAAAAAAAAAAAAAAAAAAAAAAAAAAAAFAAAADwAAAAAAAAAAAAAAAAAAAkUAAAAAQAAABQAAAAUAAAAFAAAAAEAAAAAAAAAZAAAAGQAAAAAAAAAZAAAAGQAAAAVAAAAYAAAAAAAAAAAAAAADwAAACADAAAAAAAAAAAAAAEAAACgMgAAVgcAAKr4//8BAAAAf39/AAEAAABkAAAAAAAAABQAAABAHwAAAAAAACYAAAAAAAAAwOD//wAAAAAmAAAAZAAAABYAAABMAAAAAAAAAAAAAAAEAAAAAAAAAAEAAACAgIAKAAAAACgAAAAoAAAAZAAAAGQAAAAAAAAAzMzMAAAAAABQAAAAUAAAAGQAAABkAAAAAAAAABcAAAAUAAAAAAAAAAAAAAD/fwAA/38AAAAAAAAJAAAABAAAAAAAAAAeAAAAaAAAAAAAAAAAAAAAAAAAAAAAAAAAAAAAECcAABAnAAAAAAAAAAAAAAAAAAAAAAAAAAAAAAAAAAAAAAAAAAAAABQAAAAAAAAAwMD/AAAAAABkAAAAMgAAAAAAAABkAAAAAAAAAH9/fwAKAAAAIgAAABgAAAAAAAAAAAAAAAAAAAAAAAAAAAAAAAAAAAAkAAAAJAAAAAAAAAAHAAAAAAAAAAAAAAAAAAAAAAAAAAAAAAAAAAAAf39/ACUAAABYAAAAAAAAAAAAAAAAAAAAAAAAAAAAAAAAAAAAAAAAAAAAAAAAAAAAAAAAAAAAAAA/AAAAAAAAAKCGAQAAAAAAAAAAAAAAAAAMAAAAAQAAAAAAAAAAAAAAAAAAAB8AAABUAAAAAAAABQAAAAEAAAAAAAAAAAAAAAAAAAAAAAAAAAAAAAAAAAAAAAAAAAAAAAJ/f38AAAAAA8zMzADAwP8Af39/AAAAAAAAAAAAAAAAAAAAAAAAAAAAIQAAABgAAAAUAAAAwAMAABsnAAA/FQAAWSkAABAAAAAmAAAACAAAAAAAAAAAAAAA"/>
               </a:ext>
             </a:extLst>
           </p:cNvSpPr>
@@ -2690,10 +2675,10 @@
           <a:bodyPr/>
           <a:lstStyle/>
           <a:p>
-            <a:pPr/>
             <a:fld id="{2B3A0DEB-A5C6-6FFB-8882-53AE43CC7E06}" type="datetime1">
-              <a:t/>
+              <a:t>12/16/2025</a:t>
             </a:fld>
+            <a:endParaRPr/>
           </a:p>
         </p:txBody>
       </p:sp>
@@ -2704,7 +2689,7 @@
             <a:spLocks noGrp="1" noChangeArrowheads="1"/>
             <a:extLst>
               <a:ext uri="smNativeData">
-                <pr:smNativeData xmlns:pr="smNativeData" xmlns="smNativeData" val="SMDATA_15_wwJCaRMAAAAlAAAAZAAAAA8BAAAAkAAAAEgAAACQAAAASAAAAAAAAAABAAAAAAAAAAEAAABQAAAAAAAAAAAA4D8AAAAAAADgPwAAAAAAAOA/AAAAAAAA4D8AAAAAAADgPwAAAAAAAOA/AAAAAAAA4D8AAAAAAADgPwAAAAAAAOA/AAAAAAAA4D8CAAAAjAAAAAAAAAAAAAAAu+DjDP///wgAAAAAAAAAAAAAAAAAAAAAAAAAAAAAAAAAAAAAZAAAAAEAAABAAAAAAAAAAAAAAAAAAAAAAAAAAAAAAAAAAAAAAAAAAAAAAAAAAAAAAAAAAAAAAAAAAAAAAAAAAAAAAAAAAAAAAAAAAAAAAAAAAAAAAAAAAAAAAAAAAAAAFAAAADwAAAAAAAAAAAAAAAAAAAkUAAAAAQAAABQAAAAUAAAAFAAAAAEAAAAAAAAAZAAAAGQAAAAAAAAAZAAAAGQAAAAVAAAAYAAAAAAAAAAAAAAADwAAACADAAAAAAAAAAAAAAEAAACgMgAAVgcAAKr4//8BAAAAf39/AAEAAABkAAAAAAAAABQAAABAHwAAAAAAACYAAAAAAAAAwOD//wAAAAAmAAAAZAAAABYAAABMAAAAAAAAAAAAAAAEAAAAAAAAAAEAAACAgIAKAAAAACgAAAAoAAAAZAAAAGQAAAAAAAAAzMzMAAAAAABQAAAAUAAAAGQAAABkAAAAAAAAABcAAAAUAAAAAAAAAAAAAAD/fwAA/38AAAAAAAAJAAAABAAAAAAAAAAeAAAAaAAAAAAAAAAAAAAAAAAAAAAAAAAAAAAAECcAABAnAAAAAAAAAAAAAAAAAAAAAAAAAAAAAAAAAAAAAAAAAAAAABQAAAAAAAAAwMD/AAAAAABkAAAAMgAAAAAAAABkAAAAAAAAAH9/fwAKAAAAIgAAABgAAAAAAAAAAAAAAAAAAAAAAAAAAAAAAAAAAAAkAAAAJAAAAAAAAAAHAAAAAAAAAAAAAAAAAAAAAAAAAAAAAAAAAAAAf39/ACUAAABYAAAAAAAAAAAAAAAAAAAAAAAAAAAAAAAAAAAAAAAAAAAAAAAAAAAAAAAAAAAAAAA/AAAAAAAAAKCGAQAAAAAAAAAAAAAAAAAMAAAAAQAAAAAAAAAAAAAAAAAAAB8AAABUAAAAAAAABQAAAAEAAAAAAAAAAAAAAAAAAAAAAAAAAAAAAAAAAAAAAAAAAAAAAAJ/f38AAAAAA8zMzADAwP8Af39/AAAAAAAAAAAAAAAAAAAAAAAAAAAAIQAAABgAAAAUAAAAoRkAABsnAABfMQAAWSkAABAAAAAmAAAACAAAAAAAAAAAAAAA"/>
+                <pr:smNativeData xmlns="smNativeData" xmlns:pr="smNativeData" xmlns:p15="http://schemas.microsoft.com/office/powerpoint/2012/main" xmlns:p14="http://schemas.microsoft.com/office/powerpoint/2010/main" xmlns:mc="http://schemas.openxmlformats.org/markup-compatibility/2006" val="SMDATA_15_wwJCaRMAAAAlAAAAZAAAAA8BAAAAkAAAAEgAAACQAAAASAAAAAAAAAABAAAAAAAAAAEAAABQAAAAAAAAAAAA4D8AAAAAAADgPwAAAAAAAOA/AAAAAAAA4D8AAAAAAADgPwAAAAAAAOA/AAAAAAAA4D8AAAAAAADgPwAAAAAAAOA/AAAAAAAA4D8CAAAAjAAAAAAAAAAAAAAAu+DjDP///wgAAAAAAAAAAAAAAAAAAAAAAAAAAAAAAAAAAAAAZAAAAAEAAABAAAAAAAAAAAAAAAAAAAAAAAAAAAAAAAAAAAAAAAAAAAAAAAAAAAAAAAAAAAAAAAAAAAAAAAAAAAAAAAAAAAAAAAAAAAAAAAAAAAAAAAAAAAAAAAAAAAAAFAAAADwAAAAAAAAAAAAAAAAAAAkUAAAAAQAAABQAAAAUAAAAFAAAAAEAAAAAAAAAZAAAAGQAAAAAAAAAZAAAAGQAAAAVAAAAYAAAAAAAAAAAAAAADwAAACADAAAAAAAAAAAAAAEAAACgMgAAVgcAAKr4//8BAAAAf39/AAEAAABkAAAAAAAAABQAAABAHwAAAAAAACYAAAAAAAAAwOD//wAAAAAmAAAAZAAAABYAAABMAAAAAAAAAAAAAAAEAAAAAAAAAAEAAACAgIAKAAAAACgAAAAoAAAAZAAAAGQAAAAAAAAAzMzMAAAAAABQAAAAUAAAAGQAAABkAAAAAAAAABcAAAAUAAAAAAAAAAAAAAD/fwAA/38AAAAAAAAJAAAABAAAAAAAAAAeAAAAaAAAAAAAAAAAAAAAAAAAAAAAAAAAAAAAECcAABAnAAAAAAAAAAAAAAAAAAAAAAAAAAAAAAAAAAAAAAAAAAAAABQAAAAAAAAAwMD/AAAAAABkAAAAMgAAAAAAAABkAAAAAAAAAH9/fwAKAAAAIgAAABgAAAAAAAAAAAAAAAAAAAAAAAAAAAAAAAAAAAAkAAAAJAAAAAAAAAAHAAAAAAAAAAAAAAAAAAAAAAAAAAAAAAAAAAAAf39/ACUAAABYAAAAAAAAAAAAAAAAAAAAAAAAAAAAAAAAAAAAAAAAAAAAAAAAAAAAAAAAAAAAAAA/AAAAAAAAAKCGAQAAAAAAAAAAAAAAAAAMAAAAAQAAAAAAAAAAAAAAAAAAAB8AAABUAAAAAAAABQAAAAEAAAAAAAAAAAAAAAAAAAAAAAAAAAAAAAAAAAAAAAAAAAAAAAJ/f38AAAAAA8zMzADAwP8Af39/AAAAAAAAAAAAAAAAAAAAAAAAAAAAIQAAABgAAAAUAAAAoRkAABsnAABfMQAAWSkAABAAAAAmAAAACAAAAAAAAAAAAAAA"/>
               </a:ext>
             </a:extLst>
           </p:cNvSpPr>
@@ -2717,7 +2702,7 @@
           <a:bodyPr/>
           <a:lstStyle/>
           <a:p>
-            <a:pPr/>
+            <a:endParaRPr/>
           </a:p>
         </p:txBody>
       </p:sp>
@@ -2728,7 +2713,7 @@
             <a:spLocks noGrp="1" noChangeArrowheads="1"/>
             <a:extLst>
               <a:ext uri="smNativeData">
-                <pr:smNativeData xmlns:pr="smNativeData" xmlns="smNativeData" val="SMDATA_15_wwJCaRMAAAAlAAAAZAAAAA8BAAAAkAAAAEgAAACQAAAASAAAAAAAAAABAAAAAAAAAAEAAABQAAAAAAAAAAAA4D8AAAAAAADgPwAAAAAAAOA/AAAAAAAA4D8AAAAAAADgPwAAAAAAAOA/AAAAAAAA4D8AAAAAAADgPwAAAAAAAOA/AAAAAAAA4D8CAAAAjAAAAAAAAAAAAAAAu+DjDP///wgAAAAAAAAAAAAAAAAAAAAAAAAAAAAAAAAAAAAAZAAAAAEAAABAAAAAAAAAAAAAAAAAAAAAAAAAAAAAAAAAAAAAAAAAAAAAAAAAAAAAAAAAAAAAAAAAAAAAAAAAAAAAAAAAAAAAAAAAAAAAAAAAAAAAAAAAAAAAAAAAAAAAFAAAADwAAAAAAAAAAAAAAAAAAAkUAAAAAQAAABQAAAAUAAAAFAAAAAEAAAAAAAAAZAAAAGQAAAAAAAAAZAAAAGQAAAAVAAAAYAAAAAAAAAAAAAAADwAAACADAAAAAAAAAAAAAAEAAACgMgAAVgcAAKr4//8BAAAAf39/AAEAAABkAAAAAAAAABQAAABAHwAAAAAAACYAAAAAAAAAwOD//wAAAAAmAAAAZAAAABYAAABMAAAAAAAAAAAAAAAEAAAAAAAAAAEAAACAgIAKAAAAACgAAAAoAAAAZAAAAGQAAAAAAAAAzMzMAAAAAABQAAAAUAAAAGQAAABkAAAAAAAAABcAAAAUAAAAAAAAAAAAAAD/fwAA/38AAAAAAAAJAAAABAAAAAAAAAAeAAAAaAAAAAAAAAAAAAAAAAAAAAAAAAAAAAAAECcAABAnAAAAAAAAAAAAAAAAAAAAAAAAAAAAAAAAAAAAAAAAAAAAABQAAAAAAAAAwMD/AAAAAABkAAAAMgAAAAAAAABkAAAAAAAAAH9/fwAKAAAAIgAAABgAAAAAAAAAAAAAAAAAAAAAAAAAAAAAAAAAAAAkAAAAJAAAAAAAAAAHAAAAAAAAAAAAAAAAAAAAAAAAAAAAAAAAAAAAf39/ACUAAABYAAAAAAAAAAAAAAAAAAAAAAAAAAAAAAAAAAAAAAAAAAAAAAAAAAAAAAAAAAAAAAA/AAAAAAAAAKCGAQAAAAAAAAAAAAAAAAAMAAAAAQAAAAAAAAAAAAAAAAAAAB8AAABUAAAAAAAABQAAAAEAAAAAAAAAAAAAAAAAAAAAAAAAAAAAAAAAAAAAAAAAAAAAAAJ/f38AAAAAA8zMzADAwP8Af39/AAAAAAAAAAAAAAAAAAAAAAAAAAAAIQAAABgAAAAUAAAAwTUAABsnAABARwAAWSkAABAAAAAmAAAACAAAAAAAAAAAAAAA"/>
+                <pr:smNativeData xmlns="smNativeData" xmlns:pr="smNativeData" xmlns:p15="http://schemas.microsoft.com/office/powerpoint/2012/main" xmlns:p14="http://schemas.microsoft.com/office/powerpoint/2010/main" xmlns:mc="http://schemas.openxmlformats.org/markup-compatibility/2006" val="SMDATA_15_wwJCaRMAAAAlAAAAZAAAAA8BAAAAkAAAAEgAAACQAAAASAAAAAAAAAABAAAAAAAAAAEAAABQAAAAAAAAAAAA4D8AAAAAAADgPwAAAAAAAOA/AAAAAAAA4D8AAAAAAADgPwAAAAAAAOA/AAAAAAAA4D8AAAAAAADgPwAAAAAAAOA/AAAAAAAA4D8CAAAAjAAAAAAAAAAAAAAAu+DjDP///wgAAAAAAAAAAAAAAAAAAAAAAAAAAAAAAAAAAAAAZAAAAAEAAABAAAAAAAAAAAAAAAAAAAAAAAAAAAAAAAAAAAAAAAAAAAAAAAAAAAAAAAAAAAAAAAAAAAAAAAAAAAAAAAAAAAAAAAAAAAAAAAAAAAAAAAAAAAAAAAAAAAAAFAAAADwAAAAAAAAAAAAAAAAAAAkUAAAAAQAAABQAAAAUAAAAFAAAAAEAAAAAAAAAZAAAAGQAAAAAAAAAZAAAAGQAAAAVAAAAYAAAAAAAAAAAAAAADwAAACADAAAAAAAAAAAAAAEAAACgMgAAVgcAAKr4//8BAAAAf39/AAEAAABkAAAAAAAAABQAAABAHwAAAAAAACYAAAAAAAAAwOD//wAAAAAmAAAAZAAAABYAAABMAAAAAAAAAAAAAAAEAAAAAAAAAAEAAACAgIAKAAAAACgAAAAoAAAAZAAAAGQAAAAAAAAAzMzMAAAAAABQAAAAUAAAAGQAAABkAAAAAAAAABcAAAAUAAAAAAAAAAAAAAD/fwAA/38AAAAAAAAJAAAABAAAAAAAAAAeAAAAaAAAAAAAAAAAAAAAAAAAAAAAAAAAAAAAECcAABAnAAAAAAAAAAAAAAAAAAAAAAAAAAAAAAAAAAAAAAAAAAAAABQAAAAAAAAAwMD/AAAAAABkAAAAMgAAAAAAAABkAAAAAAAAAH9/fwAKAAAAIgAAABgAAAAAAAAAAAAAAAAAAAAAAAAAAAAAAAAAAAAkAAAAJAAAAAAAAAAHAAAAAAAAAAAAAAAAAAAAAAAAAAAAAAAAAAAAf39/ACUAAABYAAAAAAAAAAAAAAAAAAAAAAAAAAAAAAAAAAAAAAAAAAAAAAAAAAAAAAAAAAAAAAA/AAAAAAAAAKCGAQAAAAAAAAAAAAAAAAAMAAAAAQAAAAAAAAAAAAAAAAAAAB8AAABUAAAAAAAABQAAAAEAAAAAAAAAAAAAAAAAAAAAAAAAAAAAAAAAAAAAAAAAAAAAAAJ/f38AAAAAA8zMzADAwP8Af39/AAAAAAAAAAAAAAAAAAAAAAAAAAAAIQAAABgAAAAUAAAAwTUAABsnAABARwAAWSkAABAAAAAmAAAACAAAAAAAAAAAAAAA"/>
               </a:ext>
             </a:extLst>
           </p:cNvSpPr>
@@ -2741,10 +2726,10 @@
           <a:bodyPr/>
           <a:lstStyle/>
           <a:p>
-            <a:pPr/>
             <a:fld id="{2B3A3DAB-E5C6-6FCB-8882-139E73CC7E46}" type="slidenum">
-              <a:t/>
+              <a:t>‹#›</a:t>
             </a:fld>
+            <a:endParaRPr/>
           </a:p>
         </p:txBody>
       </p:sp>
@@ -2758,7 +2743,7 @@
 </file>
 
 <file path=ppt/slideMasters/slideMaster1.xml><?xml version="1.0" encoding="utf-8"?>
-<p:sldMaster xmlns:p="http://schemas.openxmlformats.org/presentationml/2006/main" xmlns:mc="http://schemas.openxmlformats.org/markup-compatibility/2006" xmlns:p14="http://schemas.microsoft.com/office/powerpoint/2010/main" xmlns:p15="http://schemas.microsoft.com/office/powerpoint/2012/main" xmlns:r="http://schemas.openxmlformats.org/officeDocument/2006/relationships" xmlns:a="http://schemas.openxmlformats.org/drawingml/2006/main">
+<p:sldMaster xmlns:a="http://schemas.openxmlformats.org/drawingml/2006/main" xmlns:r="http://schemas.openxmlformats.org/officeDocument/2006/relationships" xmlns:p="http://schemas.openxmlformats.org/presentationml/2006/main">
   <p:cSld name="Default design">
     <p:bg>
       <p:bgPr>
@@ -2789,7 +2774,7 @@
             <a:spLocks noGrp="1" noChangeArrowheads="1"/>
             <a:extLst>
               <a:ext uri="smNativeData">
-                <pr:smNativeData xmlns:pr="smNativeData" xmlns="smNativeData" val="SMDATA_15_wwJCaRMAAAAlAAAAZAAAAA8BAAAAkAAAAEgAAACQAAAASAAAAAAAAAABAAAAAAAAAAEAAABQAAAAAAAAAAAA4D8AAAAAAADgPwAAAAAAAOA/AAAAAAAA4D8AAAAAAADgPwAAAAAAAOA/AAAAAAAA4D8AAAAAAADgPwAAAAAAAOA/AAAAAAAA4D8CAAAAjAAAAAAAAAAAAAAAu+DjDP///wgAAAAAAAAAAAAAAAAAAAAAAAAAAAAAAAAAAAAAZAAAAAEAAABAAAAAAAAAAAAAAAAAAAAAAAAAAAAAAAAAAAAAAAAAAAAAAAAAAAAAAAAAAAAAAAAAAAAAAAAAAAAAAAAAAAAAAAAAAAAAAAAAAAAAAAAAAAAAAAAAAAAAFAAAADwAAAAAAAAAAAAAAAAAAAkUAAAAAQAAABQAAAAUAAAAFAAAAAEAAAAAAAAAZAAAAGQAAAAAAAAAZAAAAGQAAAAVAAAAYAAAAAAAAAAAAAAADwAAACADAAAAAAAAAAAAAAEAAACgMgAAVgcAAKr4//8BAAAAf39/AAEAAABkAAAAAAAAABQAAABAHwAAAAAAACYAAAAAAAAAwOD//wAAAAAmAAAAZAAAABYAAABMAAAAAAAAAAAAAAAEAAAAAAAAAAEAAACAgIAKAAAAACgAAAAoAAAAZAAAAGQAAAAAAAAAzMzMAAAAAABQAAAAUAAAAGQAAABkAAAAAAAAABcAAAAUAAAAAAAAAAAAAAD/fwAA/38AAAAAAAAJAAAABAAAAHsAfAAeAAAAaAAAAAAAAAAAAAAAAAAAAAAAAAAAAAAAECcAABAnAAAAAAAAAAAAAAAAAAAAAAAAAAAAAAAAAAAAAAAAAAAAABQAAAAAAAAAwMD/AAAAAABkAAAAMgAAAAAAAABkAAAAAAAAAH9/fwAKAAAAIgAAABgAAAAAAAAAAAAAAAAAAAAAAAAAAAAAAAAAAAAkAAAAJAAAAAAAAAAHAAAAAAAAAAAAAAAAAAAAAAAAAAAAAAAAAAAAf39/ACUAAABYAAAAAAAAAAAAAAAAAAAAAAAAAAAAAAAAAAAAAAAAAAAAAAAAAAAAAAAAAAAAAAA/AAAAAAAAAKCGAQAAAAAAAAAAAAAAAAAMAAAAAQAAAAAAAAAAAAAAAAAAAB8AAABUAAAAAAAABQAAAAEAAAAAAAAAAAAAAAAAAAAAAAAAAAAAAAAAAAAAAAAAAAAAAAJ/f38AAAAAA8zMzADAwP8Af39/AAAAAAAAAAAAAAAAAAAAAAAAAAAAIQAAABgAAAAUAAAAwAMAALABAABARwAAuAgAABAAAAAmAAAACAAAAP//////////"/>
+                <pr:smNativeData xmlns="smNativeData" xmlns:pr="smNativeData" xmlns:p15="http://schemas.microsoft.com/office/powerpoint/2012/main" xmlns:p14="http://schemas.microsoft.com/office/powerpoint/2010/main" xmlns:mc="http://schemas.openxmlformats.org/markup-compatibility/2006" val="SMDATA_15_wwJCaRMAAAAlAAAAZAAAAA8BAAAAkAAAAEgAAACQAAAASAAAAAAAAAABAAAAAAAAAAEAAABQAAAAAAAAAAAA4D8AAAAAAADgPwAAAAAAAOA/AAAAAAAA4D8AAAAAAADgPwAAAAAAAOA/AAAAAAAA4D8AAAAAAADgPwAAAAAAAOA/AAAAAAAA4D8CAAAAjAAAAAAAAAAAAAAAu+DjDP///wgAAAAAAAAAAAAAAAAAAAAAAAAAAAAAAAAAAAAAZAAAAAEAAABAAAAAAAAAAAAAAAAAAAAAAAAAAAAAAAAAAAAAAAAAAAAAAAAAAAAAAAAAAAAAAAAAAAAAAAAAAAAAAAAAAAAAAAAAAAAAAAAAAAAAAAAAAAAAAAAAAAAAFAAAADwAAAAAAAAAAAAAAAAAAAkUAAAAAQAAABQAAAAUAAAAFAAAAAEAAAAAAAAAZAAAAGQAAAAAAAAAZAAAAGQAAAAVAAAAYAAAAAAAAAAAAAAADwAAACADAAAAAAAAAAAAAAEAAACgMgAAVgcAAKr4//8BAAAAf39/AAEAAABkAAAAAAAAABQAAABAHwAAAAAAACYAAAAAAAAAwOD//wAAAAAmAAAAZAAAABYAAABMAAAAAAAAAAAAAAAEAAAAAAAAAAEAAACAgIAKAAAAACgAAAAoAAAAZAAAAGQAAAAAAAAAzMzMAAAAAABQAAAAUAAAAGQAAABkAAAAAAAAABcAAAAUAAAAAAAAAAAAAAD/fwAA/38AAAAAAAAJAAAABAAAAHsAfAAeAAAAaAAAAAAAAAAAAAAAAAAAAAAAAAAAAAAAECcAABAnAAAAAAAAAAAAAAAAAAAAAAAAAAAAAAAAAAAAAAAAAAAAABQAAAAAAAAAwMD/AAAAAABkAAAAMgAAAAAAAABkAAAAAAAAAH9/fwAKAAAAIgAAABgAAAAAAAAAAAAAAAAAAAAAAAAAAAAAAAAAAAAkAAAAJAAAAAAAAAAHAAAAAAAAAAAAAAAAAAAAAAAAAAAAAAAAAAAAf39/ACUAAABYAAAAAAAAAAAAAAAAAAAAAAAAAAAAAAAAAAAAAAAAAAAAAAAAAAAAAAAAAAAAAAA/AAAAAAAAAKCGAQAAAAAAAAAAAAAAAAAMAAAAAQAAAAAAAAAAAAAAAAAAAB8AAABUAAAAAAAABQAAAAEAAAAAAAAAAAAAAAAAAAAAAAAAAAAAAAAAAAAAAAAAAAAAAAJ/f38AAAAAA8zMzADAwP8Af39/AAAAAAAAAAAAAAAAAAAAAAAAAAAAIQAAABgAAAAUAAAAwAMAALABAABARwAAuAgAABAAAAAmAAAACAAAAP//////////"/>
               </a:ext>
             </a:extLst>
           </p:cNvSpPr>
@@ -2819,7 +2804,6 @@
           </a:bodyPr>
           <a:lstStyle/>
           <a:p>
-            <a:pPr/>
             <a:r>
               <a:t>Click to edit Master title style</a:t>
             </a:r>
@@ -2833,7 +2817,7 @@
             <a:spLocks noGrp="1" noChangeArrowheads="1"/>
             <a:extLst>
               <a:ext uri="smNativeData">
-                <pr:smNativeData xmlns:pr="smNativeData" xmlns="smNativeData" val="SMDATA_15_wwJCaRMAAAAlAAAAZAAAAA8BAAAAkAAAAEgAAACQAAAASAAAAAAAAAAAAAAAAAAAAAEAAABQAAAAAAAAAAAA4D8AAAAAAADgPwAAAAAAAOA/AAAAAAAA4D8AAAAAAADgPwAAAAAAAOA/AAAAAAAA4D8AAAAAAADgPwAAAAAAAOA/AAAAAAAA4D8CAAAAjAAAAAAAAAAAAAAAu+DjDP///wgAAAAAAAAAAAAAAAAAAAAAAAAAAAAAAAAAAAAAZAAAAAEAAABAAAAAAAAAAAAAAAAAAAAAAAAAAAAAAAAAAAAAAAAAAAAAAAAAAAAAAAAAAAAAAAAAAAAAAAAAAAAAAAAAAAAAAAAAAAAAAAAAAAAAAAAAAAAAAAAAAAAAFAAAADwAAAAAAAAAAAAAAAAAAAkUAAAAAQAAABQAAAAUAAAAFAAAAAEAAAAAAAAAZAAAAGQAAAAAAAAAZAAAAGQAAAAVAAAAYAAAAAAAAAAAAAAADwAAACADAAAAAAAAAAAAAAEAAACgMgAAVgcAAKr4//8BAAAAf39/AAEAAABkAAAAAAAAABQAAABAHwAAAAAAACYAAAAAAAAAwOD//wAAAAAmAAAAZAAAABYAAABMAAAAAAAAAAAAAAAEAAAAAAAAAAEAAACAgIAKAAAAACgAAAAoAAAAZAAAAGQAAAAAAAAAzMzMAAAAAABQAAAAUAAAAGQAAABkAAAAAAAAABcAAAAUAAAAAAAAAAAAAAD/fwAA/38AAAAAAAAJAAAABAAAAHsAfAAeAAAAaAAAAAAAAAAAAAAAAAAAAAAAAAAAAAAAECcAABAnAAAAAAAAAAAAAAAAAAAAAAAAAAAAAAAAAAAAAAAAAAAAABQAAAAAAAAAwMD/AAAAAABkAAAAMgAAAAAAAABkAAAAAAAAAH9/fwAKAAAAIgAAABgAAAAAAAAAAAAAAAAAAAAAAAAAAAAAAAAAAAAkAAAAJAAAAAAAAAAHAAAAAAAAAAAAAAAAAAAAAAAAAAAAAAAAAAAAf39/ACUAAABYAAAAAAAAAAAAAAAAAAAAAAAAAAAAAAAAAAAAAAAAAAAAAAAAAAAAAAAAAAAAAAA/AAAAAAAAAKCGAQAAAAAAAAAAAAAAAAAMAAAAAQAAAAAAAAAAAAAAAAAAAB8AAABUAAAAAAAABQAAAAEAAAAAAAAAAAAAAAAAAAAAAAAAAAAAAAAAAAAAAAAAAAAAAAJ/f38AAAAAA8zMzADAwP8Af39/AAAAAAAAAAAAAAAAAAAAAAAAAAAAIQAAABgAAAAUAAAAwAMAANgJAABARwAAsCUAABAAAAAmAAAACAAAAP//////////"/>
+                <pr:smNativeData xmlns="smNativeData" xmlns:pr="smNativeData" xmlns:p15="http://schemas.microsoft.com/office/powerpoint/2012/main" xmlns:p14="http://schemas.microsoft.com/office/powerpoint/2010/main" xmlns:mc="http://schemas.openxmlformats.org/markup-compatibility/2006" val="SMDATA_15_wwJCaRMAAAAlAAAAZAAAAA8BAAAAkAAAAEgAAACQAAAASAAAAAAAAAAAAAAAAAAAAAEAAABQAAAAAAAAAAAA4D8AAAAAAADgPwAAAAAAAOA/AAAAAAAA4D8AAAAAAADgPwAAAAAAAOA/AAAAAAAA4D8AAAAAAADgPwAAAAAAAOA/AAAAAAAA4D8CAAAAjAAAAAAAAAAAAAAAu+DjDP///wgAAAAAAAAAAAAAAAAAAAAAAAAAAAAAAAAAAAAAZAAAAAEAAABAAAAAAAAAAAAAAAAAAAAAAAAAAAAAAAAAAAAAAAAAAAAAAAAAAAAAAAAAAAAAAAAAAAAAAAAAAAAAAAAAAAAAAAAAAAAAAAAAAAAAAAAAAAAAAAAAAAAAFAAAADwAAAAAAAAAAAAAAAAAAAkUAAAAAQAAABQAAAAUAAAAFAAAAAEAAAAAAAAAZAAAAGQAAAAAAAAAZAAAAGQAAAAVAAAAYAAAAAAAAAAAAAAADwAAACADAAAAAAAAAAAAAAEAAACgMgAAVgcAAKr4//8BAAAAf39/AAEAAABkAAAAAAAAABQAAABAHwAAAAAAACYAAAAAAAAAwOD//wAAAAAmAAAAZAAAABYAAABMAAAAAAAAAAAAAAAEAAAAAAAAAAEAAACAgIAKAAAAACgAAAAoAAAAZAAAAGQAAAAAAAAAzMzMAAAAAABQAAAAUAAAAGQAAABkAAAAAAAAABcAAAAUAAAAAAAAAAAAAAD/fwAA/38AAAAAAAAJAAAABAAAAHsAfAAeAAAAaAAAAAAAAAAAAAAAAAAAAAAAAAAAAAAAECcAABAnAAAAAAAAAAAAAAAAAAAAAAAAAAAAAAAAAAAAAAAAAAAAABQAAAAAAAAAwMD/AAAAAABkAAAAMgAAAAAAAABkAAAAAAAAAH9/fwAKAAAAIgAAABgAAAAAAAAAAAAAAAAAAAAAAAAAAAAAAAAAAAAkAAAAJAAAAAAAAAAHAAAAAAAAAAAAAAAAAAAAAAAAAAAAAAAAAAAAf39/ACUAAABYAAAAAAAAAAAAAAAAAAAAAAAAAAAAAAAAAAAAAAAAAAAAAAAAAAAAAAAAAAAAAAA/AAAAAAAAAKCGAQAAAAAAAAAAAAAAAAAMAAAAAQAAAAAAAAAAAAAAAAAAAB8AAABUAAAAAAAABQAAAAEAAAAAAAAAAAAAAAAAAAAAAAAAAAAAAAAAAAAAAAAAAAAAAAJ/f38AAAAAA8zMzADAwP8Af39/AAAAAAAAAAAAAAAAAAAAAAAAAAAAIQAAABgAAAAUAAAAwAMAANgJAABARwAAsCUAABAAAAAmAAAACAAAAP//////////"/>
               </a:ext>
             </a:extLst>
           </p:cNvSpPr>
@@ -2863,7 +2847,6 @@
           </a:bodyPr>
           <a:lstStyle/>
           <a:p>
-            <a:pPr/>
             <a:r>
               <a:t>Click to edit Master text styles</a:t>
             </a:r>
@@ -2901,7 +2884,7 @@
             <a:spLocks noGrp="1" noChangeArrowheads="1"/>
             <a:extLst>
               <a:ext uri="smNativeData">
-                <pr:smNativeData xmlns:pr="smNativeData" xmlns="smNativeData" val="SMDATA_15_wwJCaRMAAAAlAAAAZAAAAA8BAAAAkAAAAEgAAACQAAAASAAAAAAAAAABAAAAAAAAAAEAAABQAAAAAAAAAAAA4D8AAAAAAADgPwAAAAAAAOA/AAAAAAAA4D8AAAAAAADgPwAAAAAAAOA/AAAAAAAA4D8AAAAAAADgPwAAAAAAAOA/AAAAAAAA4D8CAAAAjAAAAAAAAAAAAAAAu+DjDP///wgAAAAAAAAAAAAAAAAAAAAAAAAAAAAAAAAAAAAAZAAAAAEAAABAAAAAAAAAAAAAAAAAAAAAAAAAAAAAAAAAAAAAAAAAAAAAAAAAAAAAAAAAAAAAAAAAAAAAAAAAAAAAAAAAAAAAAAAAAAAAAAAAAAAAAAAAAAAAAAAAAAAAFAAAADwAAAAAAAAAAAAAAAAAAAkUAAAAAQAAABQAAAAUAAAAFAAAAAEAAAAAAAAAZAAAAGQAAAAAAAAAZAAAAGQAAAAVAAAAYAAAAAAAAAAAAAAADwAAACADAAAAAAAAAAAAAAEAAACgMgAAVgcAAKr4//8BAAAAf39/AAEAAABkAAAAAAAAABQAAABAHwAAAAAAACYAAAAAAAAAwOD//wAAAAAmAAAAZAAAABYAAABMAAAAAAAAAAAAAAAEAAAAAAAAAAEAAACAgIAKAAAAACgAAAAoAAAAZAAAAGQAAAAAAAAAzMzMAAAAAABQAAAAUAAAAGQAAABkAAAAAAAAABcAAAAUAAAAAAAAAAAAAAD/fwAA/38AAAAAAAAJAAAABAAAAHsAfAAeAAAAaAAAAAAAAAAAAAAAAAAAAAAAAAAAAAAAECcAABAnAAAAAAAAAAAAAAAAAAAAAAAAAAAAAAAAAAAAAAAAAAAAABQAAAAAAAAAwMD/AAAAAABkAAAAMgAAAAAAAABkAAAAAAAAAH9/fwAKAAAAIgAAABgAAAAAAAAAAAAAAAAAAAAAAAAAAAAAAAAAAAAkAAAAJAAAAAAAAAAHAAAAAAAAAAAAAAAAAAAAAAAAAAAAAAAAAAAAf39/ACUAAABYAAAAAAAAAAAAAAAAAAAAAAAAAAAAAAAAAAAAAAAAAAAAAAAAAAAAAAAAAAAAAAA/AAAAAAAAAKCGAQAAAAAAAAAAAAAAAAAMAAAAAQAAAAAAAAAAAAAAAAAAAB8AAABUAAAAAAAABQAAAAEAAAAAAAAAAAAAAAAAAAAAAAAAAAAAAAAAAAAAAAAAAAAAAAJ/f38AAAAAA8zMzADAwP8Af39/AAAAAAAAAAAAAAAAAAAAAAAAAAAAIQAAABgAAAAUAAAAwAMAABsnAAA/FQAAWSkAABAAAAAmAAAACAAAAP//////////"/>
+                <pr:smNativeData xmlns="smNativeData" xmlns:pr="smNativeData" xmlns:p15="http://schemas.microsoft.com/office/powerpoint/2012/main" xmlns:p14="http://schemas.microsoft.com/office/powerpoint/2010/main" xmlns:mc="http://schemas.openxmlformats.org/markup-compatibility/2006" val="SMDATA_15_wwJCaRMAAAAlAAAAZAAAAA8BAAAAkAAAAEgAAACQAAAASAAAAAAAAAABAAAAAAAAAAEAAABQAAAAAAAAAAAA4D8AAAAAAADgPwAAAAAAAOA/AAAAAAAA4D8AAAAAAADgPwAAAAAAAOA/AAAAAAAA4D8AAAAAAADgPwAAAAAAAOA/AAAAAAAA4D8CAAAAjAAAAAAAAAAAAAAAu+DjDP///wgAAAAAAAAAAAAAAAAAAAAAAAAAAAAAAAAAAAAAZAAAAAEAAABAAAAAAAAAAAAAAAAAAAAAAAAAAAAAAAAAAAAAAAAAAAAAAAAAAAAAAAAAAAAAAAAAAAAAAAAAAAAAAAAAAAAAAAAAAAAAAAAAAAAAAAAAAAAAAAAAAAAAFAAAADwAAAAAAAAAAAAAAAAAAAkUAAAAAQAAABQAAAAUAAAAFAAAAAEAAAAAAAAAZAAAAGQAAAAAAAAAZAAAAGQAAAAVAAAAYAAAAAAAAAAAAAAADwAAACADAAAAAAAAAAAAAAEAAACgMgAAVgcAAKr4//8BAAAAf39/AAEAAABkAAAAAAAAABQAAABAHwAAAAAAACYAAAAAAAAAwOD//wAAAAAmAAAAZAAAABYAAABMAAAAAAAAAAAAAAAEAAAAAAAAAAEAAACAgIAKAAAAACgAAAAoAAAAZAAAAGQAAAAAAAAAzMzMAAAAAABQAAAAUAAAAGQAAABkAAAAAAAAABcAAAAUAAAAAAAAAAAAAAD/fwAA/38AAAAAAAAJAAAABAAAAHsAfAAeAAAAaAAAAAAAAAAAAAAAAAAAAAAAAAAAAAAAECcAABAnAAAAAAAAAAAAAAAAAAAAAAAAAAAAAAAAAAAAAAAAAAAAABQAAAAAAAAAwMD/AAAAAABkAAAAMgAAAAAAAABkAAAAAAAAAH9/fwAKAAAAIgAAABgAAAAAAAAAAAAAAAAAAAAAAAAAAAAAAAAAAAAkAAAAJAAAAAAAAAAHAAAAAAAAAAAAAAAAAAAAAAAAAAAAAAAAAAAAf39/ACUAAABYAAAAAAAAAAAAAAAAAAAAAAAAAAAAAAAAAAAAAAAAAAAAAAAAAAAAAAAAAAAAAAA/AAAAAAAAAKCGAQAAAAAAAAAAAAAAAAAMAAAAAQAAAAAAAAAAAAAAAAAAAB8AAABUAAAAAAAABQAAAAEAAAAAAAAAAAAAAAAAAAAAAAAAAAAAAAAAAAAAAAAAAAAAAAJ/f38AAAAAA8zMzADAwP8Af39/AAAAAAAAAAAAAAAAAAAAAAAAAAAAIQAAABgAAAAUAAAAwAMAABsnAAA/FQAAWSkAABAAAAAmAAAACAAAAP//////////"/>
               </a:ext>
             </a:extLst>
           </p:cNvSpPr>
@@ -2935,10 +2918,10 @@
             </a:lvl1pPr>
           </a:lstStyle>
           <a:p>
-            <a:pPr/>
             <a:fld id="{2B3A1547-09C6-6FE3-8882-FFB65BCC7EAA}" type="datetime1">
-              <a:t/>
+              <a:t>12/16/2025</a:t>
             </a:fld>
+            <a:endParaRPr/>
           </a:p>
         </p:txBody>
       </p:sp>
@@ -2949,7 +2932,7 @@
             <a:spLocks noGrp="1" noChangeArrowheads="1"/>
             <a:extLst>
               <a:ext uri="smNativeData">
-                <pr:smNativeData xmlns:pr="smNativeData" xmlns="smNativeData" val="SMDATA_15_wwJCaRMAAAAlAAAAZAAAAA8BAAAAkAAAAEgAAACQAAAASAAAAAAAAAABAAAAAAAAAAEAAABQAAAAAAAAAAAA4D8AAAAAAADgPwAAAAAAAOA/AAAAAAAA4D8AAAAAAADgPwAAAAAAAOA/AAAAAAAA4D8AAAAAAADgPwAAAAAAAOA/AAAAAAAA4D8CAAAAjAAAAAAAAAAAAAAAu+DjDP///wgAAAAAAAAAAAAAAAAAAAAAAAAAAAAAAAAAAAAAZAAAAAEAAABAAAAAAAAAAAAAAAAAAAAAAAAAAAAAAAAAAAAAAAAAAAAAAAAAAAAAAAAAAAAAAAAAAAAAAAAAAAAAAAAAAAAAAAAAAAAAAAAAAAAAAAAAAAAAAAAAAAAAFAAAADwAAAAAAAAAAAAAAAAAAAkUAAAAAQAAABQAAAAUAAAAFAAAAAEAAAAAAAAAZAAAAGQAAAAAAAAAZAAAAGQAAAAVAAAAYAAAAAAAAAAAAAAADwAAACADAAAAAAAAAAAAAAEAAACgMgAAVgcAAKr4//8BAAAAf39/AAEAAABkAAAAAAAAABQAAABAHwAAAAAAACYAAAAAAAAAwOD//wAAAAAmAAAAZAAAABYAAABMAAAAAAAAAAAAAAAEAAAAAAAAAAEAAACAgIAKAAAAACgAAAAoAAAAZAAAAGQAAAAAAAAAzMzMAAAAAABQAAAAUAAAAGQAAABkAAAAAAAAABcAAAAUAAAAAAAAAAAAAAD/fwAA/38AAAAAAAAJAAAABAAAAAAAAAAeAAAAaAAAAAAAAAAAAAAAAAAAAAAAAAAAAAAAECcAABAnAAAAAAAAAAAAAAAAAAAAAAAAAAAAAAAAAAAAAAAAAAAAABQAAAAAAAAAwMD/AAAAAABkAAAAMgAAAAAAAABkAAAAAAAAAH9/fwAKAAAAIgAAABgAAAAAAAAAAAAAAAAAAAAAAAAAAAAAAAAAAAAkAAAAJAAAAAAAAAAHAAAAAAAAAAAAAAAAAAAAAAAAAAAAAAAAAAAAf39/ACUAAABYAAAAAAAAAAAAAAAAAAAAAAAAAAAAAAAAAAAAAAAAAAAAAAAAAAAAAAAAAAAAAAA/AAAAAAAAAKCGAQAAAAAAAAAAAAAAAAAMAAAAAQAAAAAAAAAAAAAAAAAAAB8AAABUAAAAAAAABQAAAAEAAAAAAAAAAAAAAAAAAAAAAAAAAAAAAAAAAAAAAAAAAAAAAAJ/f38AAAAAA8zMzADAwP8Af39/AAAAAAAAAAAAAAAAAAAAAAAAAAAAIQAAABgAAAAUAAAAoRkAABsnAABfMQAAWSkAABAAAAAmAAAACAAAAP//////////"/>
+                <pr:smNativeData xmlns="smNativeData" xmlns:pr="smNativeData" xmlns:p15="http://schemas.microsoft.com/office/powerpoint/2012/main" xmlns:p14="http://schemas.microsoft.com/office/powerpoint/2010/main" xmlns:mc="http://schemas.openxmlformats.org/markup-compatibility/2006" val="SMDATA_15_wwJCaRMAAAAlAAAAZAAAAA8BAAAAkAAAAEgAAACQAAAASAAAAAAAAAABAAAAAAAAAAEAAABQAAAAAAAAAAAA4D8AAAAAAADgPwAAAAAAAOA/AAAAAAAA4D8AAAAAAADgPwAAAAAAAOA/AAAAAAAA4D8AAAAAAADgPwAAAAAAAOA/AAAAAAAA4D8CAAAAjAAAAAAAAAAAAAAAu+DjDP///wgAAAAAAAAAAAAAAAAAAAAAAAAAAAAAAAAAAAAAZAAAAAEAAABAAAAAAAAAAAAAAAAAAAAAAAAAAAAAAAAAAAAAAAAAAAAAAAAAAAAAAAAAAAAAAAAAAAAAAAAAAAAAAAAAAAAAAAAAAAAAAAAAAAAAAAAAAAAAAAAAAAAAFAAAADwAAAAAAAAAAAAAAAAAAAkUAAAAAQAAABQAAAAUAAAAFAAAAAEAAAAAAAAAZAAAAGQAAAAAAAAAZAAAAGQAAAAVAAAAYAAAAAAAAAAAAAAADwAAACADAAAAAAAAAAAAAAEAAACgMgAAVgcAAKr4//8BAAAAf39/AAEAAABkAAAAAAAAABQAAABAHwAAAAAAACYAAAAAAAAAwOD//wAAAAAmAAAAZAAAABYAAABMAAAAAAAAAAAAAAAEAAAAAAAAAAEAAACAgIAKAAAAACgAAAAoAAAAZAAAAGQAAAAAAAAAzMzMAAAAAABQAAAAUAAAAGQAAABkAAAAAAAAABcAAAAUAAAAAAAAAAAAAAD/fwAA/38AAAAAAAAJAAAABAAAAAAAAAAeAAAAaAAAAAAAAAAAAAAAAAAAAAAAAAAAAAAAECcAABAnAAAAAAAAAAAAAAAAAAAAAAAAAAAAAAAAAAAAAAAAAAAAABQAAAAAAAAAwMD/AAAAAABkAAAAMgAAAAAAAABkAAAAAAAAAH9/fwAKAAAAIgAAABgAAAAAAAAAAAAAAAAAAAAAAAAAAAAAAAAAAAAkAAAAJAAAAAAAAAAHAAAAAAAAAAAAAAAAAAAAAAAAAAAAAAAAAAAAf39/ACUAAABYAAAAAAAAAAAAAAAAAAAAAAAAAAAAAAAAAAAAAAAAAAAAAAAAAAAAAAAAAAAAAAA/AAAAAAAAAKCGAQAAAAAAAAAAAAAAAAAMAAAAAQAAAAAAAAAAAAAAAAAAAB8AAABUAAAAAAAABQAAAAEAAAAAAAAAAAAAAAAAAAAAAAAAAAAAAAAAAAAAAAAAAAAAAAJ/f38AAAAAA8zMzADAwP8Af39/AAAAAAAAAAAAAAAAAAAAAAAAAAAAIQAAABgAAAAUAAAAoRkAABsnAABfMQAAWSkAABAAAAAmAAAACAAAAP//////////"/>
               </a:ext>
             </a:extLst>
           </p:cNvSpPr>
@@ -2983,7 +2966,7 @@
             </a:lvl1pPr>
           </a:lstStyle>
           <a:p>
-            <a:pPr/>
+            <a:endParaRPr/>
           </a:p>
         </p:txBody>
       </p:sp>
@@ -2994,7 +2977,7 @@
             <a:spLocks noGrp="1" noChangeArrowheads="1"/>
             <a:extLst>
               <a:ext uri="smNativeData">
-                <pr:smNativeData xmlns:pr="smNativeData" xmlns="smNativeData" val="SMDATA_15_wwJCaRMAAAAlAAAAZAAAAA8BAAAAkAAAAEgAAACQAAAASAAAAAAAAAABAAAAAAAAAAEAAABQAAAAAAAAAAAA4D8AAAAAAADgPwAAAAAAAOA/AAAAAAAA4D8AAAAAAADgPwAAAAAAAOA/AAAAAAAA4D8AAAAAAADgPwAAAAAAAOA/AAAAAAAA4D8CAAAAjAAAAAAAAAAAAAAAu+DjDP///wgAAAAAAAAAAAAAAAAAAAAAAAAAAAAAAAAAAAAAZAAAAAEAAABAAAAAAAAAAAAAAAAAAAAAAAAAAAAAAAAAAAAAAAAAAAAAAAAAAAAAAAAAAAAAAAAAAAAAAAAAAAAAAAAAAAAAAAAAAAAAAAAAAAAAAAAAAAAAAAAAAAAAFAAAADwAAAAAAAAAAAAAAAAAAAkUAAAAAQAAABQAAAAUAAAAFAAAAAEAAAAAAAAAZAAAAGQAAAAAAAAAZAAAAGQAAAAVAAAAYAAAAAAAAAAAAAAADwAAACADAAAAAAAAAAAAAAEAAACgMgAAVgcAAKr4//8BAAAAf39/AAEAAABkAAAAAAAAABQAAABAHwAAAAAAACYAAAAAAAAAwOD//wAAAAAmAAAAZAAAABYAAABMAAAAAAAAAAAAAAAEAAAAAAAAAAEAAACAgIAKAAAAACgAAAAoAAAAZAAAAGQAAAAAAAAAzMzMAAAAAABQAAAAUAAAAGQAAABkAAAAAAAAABcAAAAUAAAAAAAAAAAAAAD/fwAA/38AAAAAAAAJAAAABAAAAP////8eAAAAaAAAAAAAAAAAAAAAAAAAAAAAAAAAAAAAECcAABAnAAAAAAAAAAAAAAAAAAAAAAAAAAAAAAAAAAAAAAAAAAAAABQAAAAAAAAAwMD/AAAAAABkAAAAMgAAAAAAAABkAAAAAAAAAH9/fwAKAAAAIgAAABgAAAAAAAAAAAAAAAAAAAAAAAAAAAAAAAAAAAAkAAAAJAAAAAAAAAAHAAAAAAAAAAAAAAAAAAAAAAAAAAAAAAAAAAAAf39/ACUAAABYAAAAAAAAAAAAAAAAAAAAAAAAAAAAAAAAAAAAAAAAAAAAAAAAAAAAAAAAAAAAAAA/AAAAAAAAAKCGAQAAAAAAAAAAAAAAAAAMAAAAAQAAAAAAAAAAAAAAAAAAAB8AAABUAAAAAAAABQAAAAEAAAAAAAAAAAAAAAAAAAAAAAAAAAAAAAAAAAAAAAAAAAAAAAJ/f38AAAAAA8zMzADAwP8Af39/AAAAAAAAAAAAAAAAAAAAAAAAAAAAIQAAABgAAAAUAAAAwTUAABsnAABARwAAWSkAABAAAAAmAAAACAAAAP//////////"/>
+                <pr:smNativeData xmlns="smNativeData" xmlns:pr="smNativeData" xmlns:p15="http://schemas.microsoft.com/office/powerpoint/2012/main" xmlns:p14="http://schemas.microsoft.com/office/powerpoint/2010/main" xmlns:mc="http://schemas.openxmlformats.org/markup-compatibility/2006" val="SMDATA_15_wwJCaRMAAAAlAAAAZAAAAA8BAAAAkAAAAEgAAACQAAAASAAAAAAAAAABAAAAAAAAAAEAAABQAAAAAAAAAAAA4D8AAAAAAADgPwAAAAAAAOA/AAAAAAAA4D8AAAAAAADgPwAAAAAAAOA/AAAAAAAA4D8AAAAAAADgPwAAAAAAAOA/AAAAAAAA4D8CAAAAjAAAAAAAAAAAAAAAu+DjDP///wgAAAAAAAAAAAAAAAAAAAAAAAAAAAAAAAAAAAAAZAAAAAEAAABAAAAAAAAAAAAAAAAAAAAAAAAAAAAAAAAAAAAAAAAAAAAAAAAAAAAAAAAAAAAAAAAAAAAAAAAAAAAAAAAAAAAAAAAAAAAAAAAAAAAAAAAAAAAAAAAAAAAAFAAAADwAAAAAAAAAAAAAAAAAAAkUAAAAAQAAABQAAAAUAAAAFAAAAAEAAAAAAAAAZAAAAGQAAAAAAAAAZAAAAGQAAAAVAAAAYAAAAAAAAAAAAAAADwAAACADAAAAAAAAAAAAAAEAAACgMgAAVgcAAKr4//8BAAAAf39/AAEAAABkAAAAAAAAABQAAABAHwAAAAAAACYAAAAAAAAAwOD//wAAAAAmAAAAZAAAABYAAABMAAAAAAAAAAAAAAAEAAAAAAAAAAEAAACAgIAKAAAAACgAAAAoAAAAZAAAAGQAAAAAAAAAzMzMAAAAAABQAAAAUAAAAGQAAABkAAAAAAAAABcAAAAUAAAAAAAAAAAAAAD/fwAA/38AAAAAAAAJAAAABAAAAP////8eAAAAaAAAAAAAAAAAAAAAAAAAAAAAAAAAAAAAECcAABAnAAAAAAAAAAAAAAAAAAAAAAAAAAAAAAAAAAAAAAAAAAAAABQAAAAAAAAAwMD/AAAAAABkAAAAMgAAAAAAAABkAAAAAAAAAH9/fwAKAAAAIgAAABgAAAAAAAAAAAAAAAAAAAAAAAAAAAAAAAAAAAAkAAAAJAAAAAAAAAAHAAAAAAAAAAAAAAAAAAAAAAAAAAAAAAAAAAAAf39/ACUAAABYAAAAAAAAAAAAAAAAAAAAAAAAAAAAAAAAAAAAAAAAAAAAAAAAAAAAAAAAAAAAAAA/AAAAAAAAAKCGAQAAAAAAAAAAAAAAAAAMAAAAAQAAAAAAAAAAAAAAAAAAAB8AAABUAAAAAAAABQAAAAEAAAAAAAAAAAAAAAAAAAAAAAAAAAAAAAAAAAAAAAAAAAAAAAJ/f38AAAAAA8zMzADAwP8Af39/AAAAAAAAAAAAAAAAAAAAAAAAAAAAIQAAABgAAAAUAAAAwTUAABsnAABARwAAWSkAABAAAAAmAAAACAAAAP//////////"/>
               </a:ext>
             </a:extLst>
           </p:cNvSpPr>
@@ -3028,10 +3011,10 @@
             </a:lvl1pPr>
           </a:lstStyle>
           <a:p>
-            <a:pPr/>
             <a:fld id="{2B3A77CB-85C6-6F81-8882-73D439CC7E26}" type="slidenum">
-              <a:t/>
+              <a:t>‹#›</a:t>
             </a:fld>
+            <a:endParaRPr/>
           </a:p>
         </p:txBody>
       </p:sp>
@@ -3072,7 +3055,7 @@
           </a:solidFill>
           <a:effectLst/>
           <a:latin typeface="Calibri" pitchFamily="2" charset="0"/>
-          <a:ea typeface="SimSun" pitchFamily="0" charset="0"/>
+          <a:ea typeface="SimSun" charset="0"/>
           <a:cs typeface="Times New Roman" pitchFamily="1" charset="0"/>
         </a:defRPr>
       </a:lvl1pPr>
@@ -3094,7 +3077,7 @@
           </a:solidFill>
           <a:effectLst/>
           <a:latin typeface="Calibri" pitchFamily="2" charset="0"/>
-          <a:ea typeface="SimSun" pitchFamily="0" charset="0"/>
+          <a:ea typeface="SimSun" charset="0"/>
           <a:cs typeface="Times New Roman" pitchFamily="1" charset="0"/>
         </a:defRPr>
       </a:lvl2pPr>
@@ -3116,7 +3099,7 @@
           </a:solidFill>
           <a:effectLst/>
           <a:latin typeface="Calibri" pitchFamily="2" charset="0"/>
-          <a:ea typeface="SimSun" pitchFamily="0" charset="0"/>
+          <a:ea typeface="SimSun" charset="0"/>
           <a:cs typeface="Times New Roman" pitchFamily="1" charset="0"/>
         </a:defRPr>
       </a:lvl3pPr>
@@ -3138,7 +3121,7 @@
           </a:solidFill>
           <a:effectLst/>
           <a:latin typeface="Calibri" pitchFamily="2" charset="0"/>
-          <a:ea typeface="SimSun" pitchFamily="0" charset="0"/>
+          <a:ea typeface="SimSun" charset="0"/>
           <a:cs typeface="Times New Roman" pitchFamily="1" charset="0"/>
         </a:defRPr>
       </a:lvl4pPr>
@@ -3160,7 +3143,7 @@
           </a:solidFill>
           <a:effectLst/>
           <a:latin typeface="Calibri" pitchFamily="2" charset="0"/>
-          <a:ea typeface="SimSun" pitchFamily="0" charset="0"/>
+          <a:ea typeface="SimSun" charset="0"/>
           <a:cs typeface="Times New Roman" pitchFamily="1" charset="0"/>
         </a:defRPr>
       </a:lvl5pPr>
@@ -3182,7 +3165,7 @@
           </a:solidFill>
           <a:effectLst/>
           <a:latin typeface="Calibri" pitchFamily="2" charset="0"/>
-          <a:ea typeface="SimSun" pitchFamily="0" charset="0"/>
+          <a:ea typeface="SimSun" charset="0"/>
           <a:cs typeface="Times New Roman" pitchFamily="1" charset="0"/>
         </a:defRPr>
       </a:lvl6pPr>
@@ -3204,7 +3187,7 @@
           </a:solidFill>
           <a:effectLst/>
           <a:latin typeface="Calibri" pitchFamily="2" charset="0"/>
-          <a:ea typeface="SimSun" pitchFamily="0" charset="0"/>
+          <a:ea typeface="SimSun" charset="0"/>
           <a:cs typeface="Times New Roman" pitchFamily="1" charset="0"/>
         </a:defRPr>
       </a:lvl7pPr>
@@ -3226,7 +3209,7 @@
           </a:solidFill>
           <a:effectLst/>
           <a:latin typeface="Calibri" pitchFamily="2" charset="0"/>
-          <a:ea typeface="SimSun" pitchFamily="0" charset="0"/>
+          <a:ea typeface="SimSun" charset="0"/>
           <a:cs typeface="Times New Roman" pitchFamily="1" charset="0"/>
         </a:defRPr>
       </a:lvl8pPr>
@@ -3248,7 +3231,7 @@
           </a:solidFill>
           <a:effectLst/>
           <a:latin typeface="Calibri" pitchFamily="2" charset="0"/>
-          <a:ea typeface="SimSun" pitchFamily="0" charset="0"/>
+          <a:ea typeface="SimSun" charset="0"/>
           <a:cs typeface="Times New Roman" pitchFamily="1" charset="0"/>
         </a:defRPr>
       </a:lvl9pPr>
@@ -3275,7 +3258,7 @@
           </a:solidFill>
           <a:effectLst/>
           <a:latin typeface="Calibri" pitchFamily="2" charset="0"/>
-          <a:ea typeface="SimSun" pitchFamily="0" charset="0"/>
+          <a:ea typeface="SimSun" charset="0"/>
           <a:cs typeface="Times New Roman" pitchFamily="1" charset="0"/>
         </a:defRPr>
       </a:lvl1pPr>
@@ -3300,7 +3283,7 @@
           </a:solidFill>
           <a:effectLst/>
           <a:latin typeface="Calibri" pitchFamily="2" charset="0"/>
-          <a:ea typeface="SimSun" pitchFamily="0" charset="0"/>
+          <a:ea typeface="SimSun" charset="0"/>
           <a:cs typeface="Times New Roman" pitchFamily="1" charset="0"/>
         </a:defRPr>
       </a:lvl2pPr>
@@ -3325,7 +3308,7 @@
           </a:solidFill>
           <a:effectLst/>
           <a:latin typeface="Calibri" pitchFamily="2" charset="0"/>
-          <a:ea typeface="SimSun" pitchFamily="0" charset="0"/>
+          <a:ea typeface="SimSun" charset="0"/>
           <a:cs typeface="Times New Roman" pitchFamily="1" charset="0"/>
         </a:defRPr>
       </a:lvl3pPr>
@@ -3350,7 +3333,7 @@
           </a:solidFill>
           <a:effectLst/>
           <a:latin typeface="Calibri" pitchFamily="2" charset="0"/>
-          <a:ea typeface="SimSun" pitchFamily="0" charset="0"/>
+          <a:ea typeface="SimSun" charset="0"/>
           <a:cs typeface="Times New Roman" pitchFamily="1" charset="0"/>
         </a:defRPr>
       </a:lvl4pPr>
@@ -3375,7 +3358,7 @@
           </a:solidFill>
           <a:effectLst/>
           <a:latin typeface="Calibri" pitchFamily="2" charset="0"/>
-          <a:ea typeface="SimSun" pitchFamily="0" charset="0"/>
+          <a:ea typeface="SimSun" charset="0"/>
           <a:cs typeface="Times New Roman" pitchFamily="1" charset="0"/>
         </a:defRPr>
       </a:lvl5pPr>
@@ -3400,7 +3383,7 @@
           </a:solidFill>
           <a:effectLst/>
           <a:latin typeface="Calibri" pitchFamily="2" charset="0"/>
-          <a:ea typeface="SimSun" pitchFamily="0" charset="0"/>
+          <a:ea typeface="SimSun" charset="0"/>
           <a:cs typeface="Times New Roman" pitchFamily="1" charset="0"/>
         </a:defRPr>
       </a:lvl6pPr>
@@ -3425,7 +3408,7 @@
           </a:solidFill>
           <a:effectLst/>
           <a:latin typeface="Calibri" pitchFamily="2" charset="0"/>
-          <a:ea typeface="SimSun" pitchFamily="0" charset="0"/>
+          <a:ea typeface="SimSun" charset="0"/>
           <a:cs typeface="Times New Roman" pitchFamily="1" charset="0"/>
         </a:defRPr>
       </a:lvl7pPr>
@@ -3450,7 +3433,7 @@
           </a:solidFill>
           <a:effectLst/>
           <a:latin typeface="Calibri" pitchFamily="2" charset="0"/>
-          <a:ea typeface="SimSun" pitchFamily="0" charset="0"/>
+          <a:ea typeface="SimSun" charset="0"/>
           <a:cs typeface="Times New Roman" pitchFamily="1" charset="0"/>
         </a:defRPr>
       </a:lvl8pPr>
@@ -3475,7 +3458,7 @@
           </a:solidFill>
           <a:effectLst/>
           <a:latin typeface="Calibri" pitchFamily="2" charset="0"/>
-          <a:ea typeface="SimSun" pitchFamily="0" charset="0"/>
+          <a:ea typeface="SimSun" charset="0"/>
           <a:cs typeface="Times New Roman" pitchFamily="1" charset="0"/>
         </a:defRPr>
       </a:lvl9pPr>
@@ -3499,7 +3482,7 @@
           </a:solidFill>
           <a:effectLst/>
           <a:latin typeface="Calibri" pitchFamily="2" charset="0"/>
-          <a:ea typeface="SimSun" pitchFamily="0" charset="0"/>
+          <a:ea typeface="SimSun" charset="0"/>
           <a:cs typeface="Times New Roman" pitchFamily="1" charset="0"/>
         </a:defRPr>
       </a:lvl1pPr>
@@ -3521,7 +3504,7 @@
           </a:solidFill>
           <a:effectLst/>
           <a:latin typeface="Calibri" pitchFamily="2" charset="0"/>
-          <a:ea typeface="SimSun" pitchFamily="0" charset="0"/>
+          <a:ea typeface="SimSun" charset="0"/>
           <a:cs typeface="Times New Roman" pitchFamily="1" charset="0"/>
         </a:defRPr>
       </a:lvl2pPr>
@@ -3543,7 +3526,7 @@
           </a:solidFill>
           <a:effectLst/>
           <a:latin typeface="Calibri" pitchFamily="2" charset="0"/>
-          <a:ea typeface="SimSun" pitchFamily="0" charset="0"/>
+          <a:ea typeface="SimSun" charset="0"/>
           <a:cs typeface="Times New Roman" pitchFamily="1" charset="0"/>
         </a:defRPr>
       </a:lvl3pPr>
@@ -3565,7 +3548,7 @@
           </a:solidFill>
           <a:effectLst/>
           <a:latin typeface="Calibri" pitchFamily="2" charset="0"/>
-          <a:ea typeface="SimSun" pitchFamily="0" charset="0"/>
+          <a:ea typeface="SimSun" charset="0"/>
           <a:cs typeface="Times New Roman" pitchFamily="1" charset="0"/>
         </a:defRPr>
       </a:lvl4pPr>
@@ -3587,7 +3570,7 @@
           </a:solidFill>
           <a:effectLst/>
           <a:latin typeface="Calibri" pitchFamily="2" charset="0"/>
-          <a:ea typeface="SimSun" pitchFamily="0" charset="0"/>
+          <a:ea typeface="SimSun" charset="0"/>
           <a:cs typeface="Times New Roman" pitchFamily="1" charset="0"/>
         </a:defRPr>
       </a:lvl5pPr>
@@ -3609,7 +3592,7 @@
           </a:solidFill>
           <a:effectLst/>
           <a:latin typeface="Calibri" pitchFamily="2" charset="0"/>
-          <a:ea typeface="SimSun" pitchFamily="0" charset="0"/>
+          <a:ea typeface="SimSun" charset="0"/>
           <a:cs typeface="Times New Roman" pitchFamily="1" charset="0"/>
         </a:defRPr>
       </a:lvl6pPr>
@@ -3631,7 +3614,7 @@
           </a:solidFill>
           <a:effectLst/>
           <a:latin typeface="Calibri" pitchFamily="2" charset="0"/>
-          <a:ea typeface="SimSun" pitchFamily="0" charset="0"/>
+          <a:ea typeface="SimSun" charset="0"/>
           <a:cs typeface="Times New Roman" pitchFamily="1" charset="0"/>
         </a:defRPr>
       </a:lvl7pPr>
@@ -3653,7 +3636,7 @@
           </a:solidFill>
           <a:effectLst/>
           <a:latin typeface="Calibri" pitchFamily="2" charset="0"/>
-          <a:ea typeface="SimSun" pitchFamily="0" charset="0"/>
+          <a:ea typeface="SimSun" charset="0"/>
           <a:cs typeface="Times New Roman" pitchFamily="1" charset="0"/>
         </a:defRPr>
       </a:lvl8pPr>
@@ -3675,7 +3658,7 @@
           </a:solidFill>
           <a:effectLst/>
           <a:latin typeface="Calibri" pitchFamily="2" charset="0"/>
-          <a:ea typeface="SimSun" pitchFamily="0" charset="0"/>
+          <a:ea typeface="SimSun" charset="0"/>
           <a:cs typeface="Times New Roman" pitchFamily="1" charset="0"/>
         </a:defRPr>
       </a:lvl9pPr>
@@ -3685,7 +3668,7 @@
 </file>
 
 <file path=ppt/slides/slide1.xml><?xml version="1.0" encoding="utf-8"?>
-<p:sld xmlns:p="http://schemas.openxmlformats.org/presentationml/2006/main" xmlns:mc="http://schemas.openxmlformats.org/markup-compatibility/2006" xmlns:p14="http://schemas.microsoft.com/office/powerpoint/2010/main" xmlns:p15="http://schemas.microsoft.com/office/powerpoint/2012/main" xmlns:r="http://schemas.openxmlformats.org/officeDocument/2006/relationships" xmlns:a="http://schemas.openxmlformats.org/drawingml/2006/main" mc:Ignorable="p14">
+<p:sld xmlns:a="http://schemas.openxmlformats.org/drawingml/2006/main" xmlns:r="http://schemas.openxmlformats.org/officeDocument/2006/relationships" xmlns:p="http://schemas.openxmlformats.org/presentationml/2006/main">
   <p:cSld>
     <p:spTree>
       <p:nvGrpSpPr>
@@ -3708,7 +3691,7 @@
             <a:spLocks noGrp="1" noChangeArrowheads="1"/>
             <a:extLst>
               <a:ext uri="smNativeData">
-                <pr:smNativeData xmlns:pr="smNativeData" xmlns="smNativeData" val="SMDATA_15_wwJCaRMAAAAlAAAAZAAAAA8BAAAAkAAAAEgAAACQAAAASAAAAAAAAAABAAAAAAAAAAEAAABQAAAAAAAAAAAA4D8AAAAAAADgPwAAAAAAAOA/AAAAAAAA4D8AAAAAAADgPwAAAAAAAOA/AAAAAAAA4D8AAAAAAADgPwAAAAAAAOA/AAAAAAAA4D8CAAAAjAAAAAAAAAAAAAAAu+DjDP///wgAAAAAAAAAAAAAAAAAAAAAAAAAAAAAAAAAAAAAZAAAAAEAAABAAAAAAAAAAAAAAAAAAAAAAAAAAAAAAAAAAAAAAAAAAAAAAAAAAAAAAAAAAAAAAAAAAAAAAAAAAAAAAAAAAAAAAAAAAAAAAAAAAAAAAAAAAAAAAAAAAAAAFAAAADwAAAAAAAAAAAAAAAAAAAkUAAAAAQAAABQAAAAUAAAAFAAAAAEAAAAAAAAAZAAAAGQAAAAAAAAAZAAAAGQAAAAVAAAAYAAAAAAAAAAAAAAADwAAACADAAAAAAAAAAAAAAEAAACgMgAAVgcAAKr4//8BAAAAf39/AAEAAABkAAAAAAAAABQAAABAHwAAAAAAACYAAAAAAAAAwOD//wAAAAAmAAAAZAAAABYAAABMAAAAAAAAAAAAAAAEAAAAAAAAAAEAAACAgIAKAAAAACgAAAAoAAAAZAAAAGQAAAAAAAAAzMzMAAAAAABQAAAAUAAAAGQAAABkAAAAAAAAABcAAAAUAAAAAAAAAAAAAAD/fwAA/38AAAAAAAAJAAAABAAAAAAAAAAeAAAAaAAAAAAAAAAAAAAAAAAAAAAAAAAAAAAAECcAABAnAAAAAAAAAAAAAAAAAAAAAAAAAAAAAAAAAAAAAAAAAAAAABQAAAAAAAAAwMD/AAAAAABkAAAAMgAAAAAAAABkAAAAAAAAAH9/fwAKAAAAIgAAABgAAAAAAAAAAAAAAAAAAAAAAAAAAAAAAAAAAAAkAAAAJAAAAAAAAAAHAAAAAAAAAAAAAAAAAAAAAAAAAAAAAAAAAAAAf39/ACUAAABYAAAAAAAAAAAAAAAAAAAAAAAAAAAAAAAAAAAAAAAAAAAAAAAAAAAAAAAAAAAAAAA/AAAAAAAAAKCGAQAAAAAAAAAAAAAAAAAMAAAAAQAAAAAAAAAAAAAAAAAAAB8AAABUAAAAAAAABQAAAAEAAAAAAAAAAAAAAAAAAAAAAAAAAAAAAAAAAAAAAAAAAAAAAAJ/f38AAAAAA8zMzADAwP8Af39/AAAAAAAAAAAAAAAAAAAAAAAAAAAAIQAAABgAAAAUAAAAoAUAABoNAABgRQAAJhYAABAAAAAmAAAACAAAAAAAAAAAAAAA"/>
+                <pr:smNativeData xmlns="smNativeData" xmlns:pr="smNativeData" xmlns:p15="http://schemas.microsoft.com/office/powerpoint/2012/main" xmlns:p14="http://schemas.microsoft.com/office/powerpoint/2010/main" xmlns:mc="http://schemas.openxmlformats.org/markup-compatibility/2006" val="SMDATA_15_wwJCaRMAAAAlAAAAZAAAAA8BAAAAkAAAAEgAAACQAAAASAAAAAAAAAABAAAAAAAAAAEAAABQAAAAAAAAAAAA4D8AAAAAAADgPwAAAAAAAOA/AAAAAAAA4D8AAAAAAADgPwAAAAAAAOA/AAAAAAAA4D8AAAAAAADgPwAAAAAAAOA/AAAAAAAA4D8CAAAAjAAAAAAAAAAAAAAAu+DjDP///wgAAAAAAAAAAAAAAAAAAAAAAAAAAAAAAAAAAAAAZAAAAAEAAABAAAAAAAAAAAAAAAAAAAAAAAAAAAAAAAAAAAAAAAAAAAAAAAAAAAAAAAAAAAAAAAAAAAAAAAAAAAAAAAAAAAAAAAAAAAAAAAAAAAAAAAAAAAAAAAAAAAAAFAAAADwAAAAAAAAAAAAAAAAAAAkUAAAAAQAAABQAAAAUAAAAFAAAAAEAAAAAAAAAZAAAAGQAAAAAAAAAZAAAAGQAAAAVAAAAYAAAAAAAAAAAAAAADwAAACADAAAAAAAAAAAAAAEAAACgMgAAVgcAAKr4//8BAAAAf39/AAEAAABkAAAAAAAAABQAAABAHwAAAAAAACYAAAAAAAAAwOD//wAAAAAmAAAAZAAAABYAAABMAAAAAAAAAAAAAAAEAAAAAAAAAAEAAACAgIAKAAAAACgAAAAoAAAAZAAAAGQAAAAAAAAAzMzMAAAAAABQAAAAUAAAAGQAAABkAAAAAAAAABcAAAAUAAAAAAAAAAAAAAD/fwAA/38AAAAAAAAJAAAABAAAAAAAAAAeAAAAaAAAAAAAAAAAAAAAAAAAAAAAAAAAAAAAECcAABAnAAAAAAAAAAAAAAAAAAAAAAAAAAAAAAAAAAAAAAAAAAAAABQAAAAAAAAAwMD/AAAAAABkAAAAMgAAAAAAAABkAAAAAAAAAH9/fwAKAAAAIgAAABgAAAAAAAAAAAAAAAAAAAAAAAAAAAAAAAAAAAAkAAAAJAAAAAAAAAAHAAAAAAAAAAAAAAAAAAAAAAAAAAAAAAAAAAAAf39/ACUAAABYAAAAAAAAAAAAAAAAAAAAAAAAAAAAAAAAAAAAAAAAAAAAAAAAAAAAAAAAAAAAAAA/AAAAAAAAAKCGAQAAAAAAAAAAAAAAAAAMAAAAAQAAAAAAAAAAAAAAAAAAAB8AAABUAAAAAAAABQAAAAEAAAAAAAAAAAAAAAAAAAAAAAAAAAAAAAAAAAAAAAAAAAAAAAJ/f38AAAAAA8zMzADAwP8Af39/AAAAAAAAAAAAAAAAAAAAAAAAAAAAIQAAABgAAAAUAAAAoAUAABoNAABgRQAAJhYAABAAAAAmAAAACAAAAAAAAAAAAAAA"/>
               </a:ext>
             </a:extLst>
           </p:cNvSpPr>
@@ -3721,7 +3704,6 @@
           <a:bodyPr/>
           <a:lstStyle/>
           <a:p>
-            <a:pPr/>
             <a:r>
               <a:t>AI PyTorch</a:t>
             </a:r>
@@ -3735,7 +3717,7 @@
             <a:spLocks noGrp="1" noChangeArrowheads="1"/>
             <a:extLst>
               <a:ext uri="smNativeData">
-                <pr:smNativeData xmlns:pr="smNativeData" xmlns="smNativeData" val="SMDATA_15_wwJCaRMAAAAlAAAAZAAAAA8BAAAAkAAAAEgAAACQAAAASAAAAAAAAAAAAAAAAAAAAAEAAABQAAAAAAAAAAAA4D8AAAAAAADgPwAAAAAAAOA/AAAAAAAA4D8AAAAAAADgPwAAAAAAAOA/AAAAAAAA4D8AAAAAAADgPwAAAAAAAOA/AAAAAAAA4D8CAAAAjAAAAAAAAAAAAAAAu+DjDP///wgAAAAAAAAAAAAAAAAAAAAAAAAAAAAAAAAAAAAAZAAAAAEAAABAAAAAAAAAAAAAAAAAAAAAAAAAAAAAAAAAAAAAAAAAAAAAAAAAAAAAAAAAAAAAAAAAAAAAAAAAAAAAAAAAAAAAAAAAAAAAAAAAAAAAAAAAAAAAAAAAAAAAFAAAADwAAAAAAAAAAAAAAAAAAAkUAAAAAQAAABQAAAAUAAAAFAAAAAEAAAAAAAAAZAAAAGQAAAAAAAAAZAAAAGQAAAAVAAAAYAAAAAAAAAAAAAAADwAAACADAAAAAAAAAAAAAAEAAACgMgAAVgcAAKr4//8BAAAAf39/AAEAAABkAAAAAAAAABQAAABAHwAAAAAAACYAAAAAAAAAwOD//wAAAAAmAAAAZAAAABYAAABMAAAAAAAAAAAAAAAEAAAAAAAAAAEAAACAgIAKAAAAACgAAAAoAAAAZAAAAGQAAAAAAAAAzMzMAAAAAABQAAAAUAAAAGQAAABkAAAAAAAAABcAAAAUAAAAAAAAAAAAAAD/fwAA/38AAAAAAAAJAAAABAAAAAAAAAAeAAAAaAAAAAAAAAAAAAAAAAAAAAAAAAAAAAAAECcAABAnAAAAAAAAAAAAAAAAAAAAAAAAAAAAAAAAAAAAAAAAAAAAABQAAAAAAAAAwMD/AAAAAABkAAAAMgAAAAAAAABkAAAAAAAAAH9/fwAKAAAAIgAAABgAAAAAAAAAAAAAAAAAAAAAAAAAAAAAAAAAAAAkAAAAJAAAAAAAAAAHAAAAAAAAAAAAAAAAAAAAAAAAAAAAAAAAAAAAf39/ACUAAABYAAAAAAAAAAAAAAAAAAAAAAAAAAAAAAAAAAAAAAAAAAAAAAAAAAAAAAAAAAAAAAA/AAAAAAAAAKCGAQAAAAAAAAAAAAAAAAAMAAAAAQAAAAAAAAAAAAAAAAAAAB8AAABUAAAAAAAABQAAAAEAAAAAAAAAAAAAAAAAAAAAAAAAAAAAAAAAAAAAAAAAAAAAAAJ/f38AAAAAA8zMzADAwP8Af39/AAAAAAAAAAAAAAAAAAAAAAAAAAAAIQAAABgAAAAUAAAAQAsAAOgXAADAPwAAsCIAABAAAAAmAAAACAAAAAAAAAAAAAAA"/>
+                <pr:smNativeData xmlns="smNativeData" xmlns:pr="smNativeData" xmlns:p15="http://schemas.microsoft.com/office/powerpoint/2012/main" xmlns:p14="http://schemas.microsoft.com/office/powerpoint/2010/main" xmlns:mc="http://schemas.openxmlformats.org/markup-compatibility/2006" val="SMDATA_15_wwJCaRMAAAAlAAAAZAAAAA8BAAAAkAAAAEgAAACQAAAASAAAAAAAAAAAAAAAAAAAAAEAAABQAAAAAAAAAAAA4D8AAAAAAADgPwAAAAAAAOA/AAAAAAAA4D8AAAAAAADgPwAAAAAAAOA/AAAAAAAA4D8AAAAAAADgPwAAAAAAAOA/AAAAAAAA4D8CAAAAjAAAAAAAAAAAAAAAu+DjDP///wgAAAAAAAAAAAAAAAAAAAAAAAAAAAAAAAAAAAAAZAAAAAEAAABAAAAAAAAAAAAAAAAAAAAAAAAAAAAAAAAAAAAAAAAAAAAAAAAAAAAAAAAAAAAAAAAAAAAAAAAAAAAAAAAAAAAAAAAAAAAAAAAAAAAAAAAAAAAAAAAAAAAAFAAAADwAAAAAAAAAAAAAAAAAAAkUAAAAAQAAABQAAAAUAAAAFAAAAAEAAAAAAAAAZAAAAGQAAAAAAAAAZAAAAGQAAAAVAAAAYAAAAAAAAAAAAAAADwAAACADAAAAAAAAAAAAAAEAAACgMgAAVgcAAKr4//8BAAAAf39/AAEAAABkAAAAAAAAABQAAABAHwAAAAAAACYAAAAAAAAAwOD//wAAAAAmAAAAZAAAABYAAABMAAAAAAAAAAAAAAAEAAAAAAAAAAEAAACAgIAKAAAAACgAAAAoAAAAZAAAAGQAAAAAAAAAzMzMAAAAAABQAAAAUAAAAGQAAABkAAAAAAAAABcAAAAUAAAAAAAAAAAAAAD/fwAA/38AAAAAAAAJAAAABAAAAAAAAAAeAAAAaAAAAAAAAAAAAAAAAAAAAAAAAAAAAAAAECcAABAnAAAAAAAAAAAAAAAAAAAAAAAAAAAAAAAAAAAAAAAAAAAAABQAAAAAAAAAwMD/AAAAAABkAAAAMgAAAAAAAABkAAAAAAAAAH9/fwAKAAAAIgAAABgAAAAAAAAAAAAAAAAAAAAAAAAAAAAAAAAAAAAkAAAAJAAAAAAAAAAHAAAAAAAAAAAAAAAAAAAAAAAAAAAAAAAAAAAAf39/ACUAAABYAAAAAAAAAAAAAAAAAAAAAAAAAAAAAAAAAAAAAAAAAAAAAAAAAAAAAAAAAAAAAAA/AAAAAAAAAKCGAQAAAAAAAAAAAAAAAAAMAAAAAQAAAAAAAAAAAAAAAAAAAB8AAABUAAAAAAAABQAAAAEAAAAAAAAAAAAAAAAAAAAAAAAAAAAAAAAAAAAAAAAAAAAAAAJ/f38AAAAAA8zMzADAwP8Af39/AAAAAAAAAAAAAAAAAAAAAAAAAAAAIQAAABgAAAAUAAAAQAsAAOgXAADAPwAAsCIAABAAAAAmAAAACAAAAAAAAAAAAAAA"/>
               </a:ext>
             </a:extLst>
           </p:cNvSpPr>
@@ -3748,7 +3730,7 @@
           <a:bodyPr/>
           <a:lstStyle/>
           <a:p>
-            <a:pPr/>
+            <a:endParaRPr/>
           </a:p>
         </p:txBody>
       </p:sp>
@@ -3768,7 +3750,7 @@
 </file>
 
 <file path=ppt/slides/slide2.xml><?xml version="1.0" encoding="utf-8"?>
-<p:sld xmlns:p="http://schemas.openxmlformats.org/presentationml/2006/main" xmlns:mc="http://schemas.openxmlformats.org/markup-compatibility/2006" xmlns:p14="http://schemas.microsoft.com/office/powerpoint/2010/main" xmlns:p15="http://schemas.microsoft.com/office/powerpoint/2012/main" xmlns:r="http://schemas.openxmlformats.org/officeDocument/2006/relationships" xmlns:a="http://schemas.openxmlformats.org/drawingml/2006/main" mc:Ignorable="p14">
+<p:sld xmlns:a="http://schemas.openxmlformats.org/drawingml/2006/main" xmlns:r="http://schemas.openxmlformats.org/officeDocument/2006/relationships" xmlns:p="http://schemas.openxmlformats.org/presentationml/2006/main">
   <p:cSld>
     <p:spTree>
       <p:nvGrpSpPr>
@@ -3791,7 +3773,7 @@
             <a:spLocks noGrp="1" noChangeArrowheads="1"/>
             <a:extLst>
               <a:ext uri="smNativeData">
-                <pr:smNativeData xmlns:pr="smNativeData" xmlns="smNativeData" val="SMDATA_15_wwJCaRMAAAAlAAAAZAAAAA8BAAAAkAAAAEgAAACQAAAASAAAAAAAAAABAAAAAAAAAAEAAABQAAAAAAAAAAAA4D8AAAAAAADgPwAAAAAAAOA/AAAAAAAA4D8AAAAAAADgPwAAAAAAAOA/AAAAAAAA4D8AAAAAAADgPwAAAAAAAOA/AAAAAAAA4D8CAAAAjAAAAAAAAAAAAAAAu+DjDP///wgAAAAAAAAAAAAAAAAAAAAAAAAAAAAAAAAAAAAAZAAAAAEAAABAAAAAAAAAAAAAAAAAAAAAAAAAAAAAAAAAAAAAAAAAAAAAAAAAAAAAAAAAAAAAAAAAAAAAAAAAAAAAAAAAAAAAAAAAAAAAAAAAAAAAAAAAAAAAAAAAAAAAFAAAADwAAAAAAAAAAAAAAAAAAAkUAAAAAQAAABQAAAAUAAAAFAAAAAEAAAAAAAAAZAAAAGQAAAAAAAAAZAAAAGQAAAAVAAAAYAAAAAAAAAAAAAAADwAAACADAAAAAAAAAAAAAAEAAACgMgAAVgcAAKr4//8BAAAAf39/AAEAAABkAAAAAAAAABQAAABAHwAAAAAAACYAAAAAAAAAwOD//wAAAAAmAAAAZAAAABYAAABMAAAAAAAAAAAAAAAEAAAAAAAAAAEAAACAgIAKAAAAACgAAAAoAAAAZAAAAGQAAAAAAAAAzMzMAAAAAABQAAAAUAAAAGQAAABkAAAAAAAAABcAAAAUAAAAAAAAAAAAAAD/fwAA/38AAAAAAAAJAAAABAAAAF8AYAAeAAAAaAAAAAAAAAAAAAAAAAAAAAAAAAAAAAAAECcAABAnAAAAAAAAAAAAAAAAAAAAAAAAAAAAAAAAAAAAAAAAAAAAABQAAAAAAAAAwMD/AAAAAABkAAAAMgAAAAAAAABkAAAAAAAAAH9/fwAKAAAAIgAAABgAAAAAAAAAAAAAAAAAAAAAAAAAAAAAAAAAAAAkAAAAJAAAAAAAAAAHAAAAAAAAAAAAAAAAAAAAAAAAAAAAAAAAAAAAf39/ACUAAABYAAAAAAAAAAAAAAAAAAAAAAAAAAAAAAAAAAAAAAAAAAAAAAAAAAAAAAAAAAAAAAA/AAAAAAAAAKCGAQAAAAAAAAAAAAAAAAAMAAAAAQAAAAAAAAAAAAAAAAAAAB8AAABUAAAAAAAABQAAAAEAAAAAAAAAAAAAAAAAAAAAAAAAAAAAAAAAAAAAAAAAAAAAAAJ/f38AAAAAA8zMzADAwP8Af39/AAAAAAAAAAAAAAAAAAAAAAAAAAAAIQAAABgAAAAUAAAAwAMAALABAABARwAAuAgAABAAAAAmAAAACAAAAAAAAAAAAAAA"/>
+                <pr:smNativeData xmlns="smNativeData" xmlns:pr="smNativeData" xmlns:p15="http://schemas.microsoft.com/office/powerpoint/2012/main" xmlns:p14="http://schemas.microsoft.com/office/powerpoint/2010/main" xmlns:mc="http://schemas.openxmlformats.org/markup-compatibility/2006" val="SMDATA_15_wwJCaRMAAAAlAAAAZAAAAA8BAAAAkAAAAEgAAACQAAAASAAAAAAAAAABAAAAAAAAAAEAAABQAAAAAAAAAAAA4D8AAAAAAADgPwAAAAAAAOA/AAAAAAAA4D8AAAAAAADgPwAAAAAAAOA/AAAAAAAA4D8AAAAAAADgPwAAAAAAAOA/AAAAAAAA4D8CAAAAjAAAAAAAAAAAAAAAu+DjDP///wgAAAAAAAAAAAAAAAAAAAAAAAAAAAAAAAAAAAAAZAAAAAEAAABAAAAAAAAAAAAAAAAAAAAAAAAAAAAAAAAAAAAAAAAAAAAAAAAAAAAAAAAAAAAAAAAAAAAAAAAAAAAAAAAAAAAAAAAAAAAAAAAAAAAAAAAAAAAAAAAAAAAAFAAAADwAAAAAAAAAAAAAAAAAAAkUAAAAAQAAABQAAAAUAAAAFAAAAAEAAAAAAAAAZAAAAGQAAAAAAAAAZAAAAGQAAAAVAAAAYAAAAAAAAAAAAAAADwAAACADAAAAAAAAAAAAAAEAAACgMgAAVgcAAKr4//8BAAAAf39/AAEAAABkAAAAAAAAABQAAABAHwAAAAAAACYAAAAAAAAAwOD//wAAAAAmAAAAZAAAABYAAABMAAAAAAAAAAAAAAAEAAAAAAAAAAEAAACAgIAKAAAAACgAAAAoAAAAZAAAAGQAAAAAAAAAzMzMAAAAAABQAAAAUAAAAGQAAABkAAAAAAAAABcAAAAUAAAAAAAAAAAAAAD/fwAA/38AAAAAAAAJAAAABAAAAF8AYAAeAAAAaAAAAAAAAAAAAAAAAAAAAAAAAAAAAAAAECcAABAnAAAAAAAAAAAAAAAAAAAAAAAAAAAAAAAAAAAAAAAAAAAAABQAAAAAAAAAwMD/AAAAAABkAAAAMgAAAAAAAABkAAAAAAAAAH9/fwAKAAAAIgAAABgAAAAAAAAAAAAAAAAAAAAAAAAAAAAAAAAAAAAkAAAAJAAAAAAAAAAHAAAAAAAAAAAAAAAAAAAAAAAAAAAAAAAAAAAAf39/ACUAAABYAAAAAAAAAAAAAAAAAAAAAAAAAAAAAAAAAAAAAAAAAAAAAAAAAAAAAAAAAAAAAAA/AAAAAAAAAKCGAQAAAAAAAAAAAAAAAAAMAAAAAQAAAAAAAAAAAAAAAAAAAB8AAABUAAAAAAAABQAAAAEAAAAAAAAAAAAAAAAAAAAAAAAAAAAAAAAAAAAAAAAAAAAAAAJ/f38AAAAAA8zMzADAwP8Af39/AAAAAAAAAAAAAAAAAAAAAAAAAAAAIQAAABgAAAAUAAAAwAMAALABAABARwAAuAgAABAAAAAmAAAACAAAAAAAAAAAAAAA"/>
               </a:ext>
             </a:extLst>
           </p:cNvSpPr>
@@ -3804,7 +3786,6 @@
           <a:bodyPr/>
           <a:lstStyle/>
           <a:p>
-            <a:pPr/>
             <a:r>
               <a:t>Why PyTorch vs Tensorflow/Jax?</a:t>
             </a:r>
@@ -3818,7 +3799,7 @@
             <a:spLocks noGrp="1" noChangeArrowheads="1"/>
             <a:extLst>
               <a:ext uri="smNativeData">
-                <pr:smNativeData xmlns:pr="smNativeData" xmlns="smNativeData" val="SMDATA_15_wwJCaRMAAAAlAAAAZAAAAA8BAAAAkAAAAEgAAACQAAAASAAAAAAAAAAAAAAAAAAAAAEAAABQAAAAAAAAAAAA4D8AAAAAAADgPwAAAAAAAOA/AAAAAAAA4D8AAAAAAADgPwAAAAAAAOA/AAAAAAAA4D8AAAAAAADgPwAAAAAAAOA/AAAAAAAA4D8CAAAAjAAAAAAAAAAAAAAAu+DjDP///wgAAAAAAAAAAAAAAAAAAAAAAAAAAAAAAAAAAAAAZAAAAAEAAABAAAAAAAAAAAAAAAAAAAAAAAAAAAAAAAAAAAAAAAAAAAAAAAAAAAAAAAAAAAAAAAAAAAAAAAAAAAAAAAAAAAAAAAAAAAAAAAAAAAAAAAAAAAAAAAAAAAAAFAAAADwAAAAAAAAAAAAAAAAAAAkUAAAAAQAAABQAAAAUAAAAFAAAAAEAAAAAAAAAZAAAAGQAAAAAAAAAZAAAAGQAAAAVAAAAYAAAAAAAAAAAAAAADwAAACADAAAAAAAAAAAAAAEAAACgMgAAVgcAAKr4//8BAAAAf39/AAEAAABkAAAAAAAAABQAAABAHwAAAAAAACYAAAAAAAAAwOD//wAAAAAmAAAAZAAAABYAAABMAAAAAAAAAAAAAAAEAAAAAAAAAAEAAACAgIAKAAAAACgAAAAoAAAAZAAAAGQAAAAAAAAAzMzMAAAAAABQAAAAUAAAAGQAAABkAAAAAAAAABcAAAAUAAAAAAAAAAAAAAD/fwAA/38AAAAAAAAJAAAABAAAAJQAAAAeAAAAaAAAAAAAAAAAAAAAAAAAAAAAAAAAAAAAECcAABAnAAAAAAAAAAAAAAAAAAAAAAAAAAAAAAAAAAAAAAAAAAAAABQAAAAAAAAAwMD/AAAAAABkAAAAMgAAAAAAAABkAAAAAAAAAH9/fwAKAAAAIgAAABgAAAAAAAAAAAAAAAAAAAAAAAAAAAAAAAAAAAAkAAAAJAAAAAAAAAAHAAAAAAAAAAAAAAAAAAAAAAAAAAAAAAAAAAAAf39/ACUAAABYAAAAAAAAAAAAAAAAAAAAAAAAAAAAAAAAAAAAAAAAAAAAAAAAAAAAAAAAAAAAAAA/AAAAAAAAAKCGAQAAAAAAAAAAAAAAAAAMAAAAAQAAAAAAAAAAAAAAAAAAAB8AAABUAAAAAAAABQAAAAEAAAAAAAAAAAAAAAAAAAAAAAAAAAAAAAAAAAAAAAAAAAAAAAJ/f38AAAAAA8zMzADAwP8Af39/AAAAAAAAAAAAAAAAAAAAAAAAAAAAIQAAABgAAAAUAAAAwAMAANgJAABARwAAsCUAABAAAAAmAAAACAAAAAAAAAAAAAAA"/>
+                <pr:smNativeData xmlns="smNativeData" xmlns:pr="smNativeData" xmlns:p15="http://schemas.microsoft.com/office/powerpoint/2012/main" xmlns:p14="http://schemas.microsoft.com/office/powerpoint/2010/main" xmlns:mc="http://schemas.openxmlformats.org/markup-compatibility/2006" val="SMDATA_15_wwJCaRMAAAAlAAAAZAAAAA8BAAAAkAAAAEgAAACQAAAASAAAAAAAAAAAAAAAAAAAAAEAAABQAAAAAAAAAAAA4D8AAAAAAADgPwAAAAAAAOA/AAAAAAAA4D8AAAAAAADgPwAAAAAAAOA/AAAAAAAA4D8AAAAAAADgPwAAAAAAAOA/AAAAAAAA4D8CAAAAjAAAAAAAAAAAAAAAu+DjDP///wgAAAAAAAAAAAAAAAAAAAAAAAAAAAAAAAAAAAAAZAAAAAEAAABAAAAAAAAAAAAAAAAAAAAAAAAAAAAAAAAAAAAAAAAAAAAAAAAAAAAAAAAAAAAAAAAAAAAAAAAAAAAAAAAAAAAAAAAAAAAAAAAAAAAAAAAAAAAAAAAAAAAAFAAAADwAAAAAAAAAAAAAAAAAAAkUAAAAAQAAABQAAAAUAAAAFAAAAAEAAAAAAAAAZAAAAGQAAAAAAAAAZAAAAGQAAAAVAAAAYAAAAAAAAAAAAAAADwAAACADAAAAAAAAAAAAAAEAAACgMgAAVgcAAKr4//8BAAAAf39/AAEAAABkAAAAAAAAABQAAABAHwAAAAAAACYAAAAAAAAAwOD//wAAAAAmAAAAZAAAABYAAABMAAAAAAAAAAAAAAAEAAAAAAAAAAEAAACAgIAKAAAAACgAAAAoAAAAZAAAAGQAAAAAAAAAzMzMAAAAAABQAAAAUAAAAGQAAABkAAAAAAAAABcAAAAUAAAAAAAAAAAAAAD/fwAA/38AAAAAAAAJAAAABAAAAJQAAAAeAAAAaAAAAAAAAAAAAAAAAAAAAAAAAAAAAAAAECcAABAnAAAAAAAAAAAAAAAAAAAAAAAAAAAAAAAAAAAAAAAAAAAAABQAAAAAAAAAwMD/AAAAAABkAAAAMgAAAAAAAABkAAAAAAAAAH9/fwAKAAAAIgAAABgAAAAAAAAAAAAAAAAAAAAAAAAAAAAAAAAAAAAkAAAAJAAAAAAAAAAHAAAAAAAAAAAAAAAAAAAAAAAAAAAAAAAAAAAAf39/ACUAAABYAAAAAAAAAAAAAAAAAAAAAAAAAAAAAAAAAAAAAAAAAAAAAAAAAAAAAAAAAAAAAAA/AAAAAAAAAKCGAQAAAAAAAAAAAAAAAAAMAAAAAQAAAAAAAAAAAAAAAAAAAB8AAABUAAAAAAAABQAAAAEAAAAAAAAAAAAAAAAAAAAAAAAAAAAAAAAAAAAAAAAAAAAAAAJ/f38AAAAAA8zMzADAwP8Af39/AAAAAAAAAAAAAAAAAAAAAAAAAAAAIQAAABgAAAAUAAAAwAMAANgJAABARwAAsCUAABAAAAAmAAAACAAAAAAAAAAAAAAA"/>
               </a:ext>
             </a:extLst>
           </p:cNvSpPr>
@@ -3924,7 +3905,6 @@
               <a:rPr sz="2200" cap="none"/>
               <a:t>‘J’ is just-in-time compilation, ‘A’ is Automatic Differentiation/Derivative, ‘X’ - Xcelerated Linear Algebra</a:t>
             </a:r>
-            <a:endParaRPr sz="2200" cap="none"/>
           </a:p>
         </p:txBody>
       </p:sp>
@@ -3944,7 +3924,7 @@
 </file>
 
 <file path=ppt/slides/slide3.xml><?xml version="1.0" encoding="utf-8"?>
-<p:sld xmlns:p="http://schemas.openxmlformats.org/presentationml/2006/main" xmlns:mc="http://schemas.openxmlformats.org/markup-compatibility/2006" xmlns:p14="http://schemas.microsoft.com/office/powerpoint/2010/main" xmlns:p15="http://schemas.microsoft.com/office/powerpoint/2012/main" xmlns:r="http://schemas.openxmlformats.org/officeDocument/2006/relationships" xmlns:a="http://schemas.openxmlformats.org/drawingml/2006/main" mc:Ignorable="p14">
+<p:sld xmlns:a="http://schemas.openxmlformats.org/drawingml/2006/main" xmlns:r="http://schemas.openxmlformats.org/officeDocument/2006/relationships" xmlns:p="http://schemas.openxmlformats.org/presentationml/2006/main">
   <p:cSld>
     <p:spTree>
       <p:nvGrpSpPr>
@@ -3967,7 +3947,7 @@
             <a:spLocks noGrp="1" noChangeArrowheads="1"/>
             <a:extLst>
               <a:ext uri="smNativeData">
-                <pr:smNativeData xmlns:pr="smNativeData" xmlns="smNativeData" val="SMDATA_15_wwJCaRMAAAAlAAAAZAAAAA8BAAAAkAAAAEgAAACQAAAASAAAAAAAAAABAAAAAAAAAAEAAABQAAAAAAAAAAAA4D8AAAAAAADgPwAAAAAAAOA/AAAAAAAA4D8AAAAAAADgPwAAAAAAAOA/AAAAAAAA4D8AAAAAAADgPwAAAAAAAOA/AAAAAAAA4D8CAAAAjAAAAAAAAAAAAAAAu+DjDP///wgAAAAAAAAAAAAAAAAAAAAAAAAAAAAAAAAAAAAAZAAAAAEAAABAAAAAAAAAAAAAAAAAAAAAAAAAAAAAAAAAAAAAAAAAAAAAAAAAAAAAAAAAAAAAAAAAAAAAAAAAAAAAAAAAAAAAAAAAAAAAAAAAAAAAAAAAAAAAAAAAAAAAFAAAADwAAAAAAAAAAAAAAAAAAAkUAAAAAQAAABQAAAAUAAAAFAAAAAEAAAAAAAAAZAAAAGQAAAAAAAAAZAAAAGQAAAAVAAAAYAAAAAAAAAAAAAAADwAAACADAAAAAAAAAAAAAAEAAACgMgAAVgcAAKr4//8BAAAAf39/AAEAAABkAAAAAAAAABQAAABAHwAAAAAAACYAAAAAAAAAwOD//wAAAAAmAAAAZAAAABYAAABMAAAAAAAAAAAAAAAEAAAAAAAAAAEAAACAgIAKAAAAACgAAAAoAAAAZAAAAGQAAAAAAAAAzMzMAAAAAABQAAAAUAAAAGQAAABkAAAAAAAAABcAAAAUAAAAAAAAAAAAAAD/fwAA/38AAAAAAAAJAAAABAAAAMUAAAAeAAAAaAAAAAAAAAAAAAAAAAAAAAAAAAAAAAAAECcAABAnAAAAAAAAAAAAAAAAAAAAAAAAAAAAAAAAAAAAAAAAAAAAABQAAAAAAAAAwMD/AAAAAABkAAAAMgAAAAAAAABkAAAAAAAAAH9/fwAKAAAAIgAAABgAAAAAAAAAAAAAAAAAAAAAAAAAAAAAAAAAAAAkAAAAJAAAAAAAAAAHAAAAAAAAAAAAAAAAAAAAAAAAAAAAAAAAAAAAf39/ACUAAABYAAAAAAAAAAAAAAAAAAAAAAAAAAAAAAAAAAAAAAAAAAAAAAAAAAAAAAAAAAAAAAA/AAAAAAAAAKCGAQAAAAAAAAAAAAAAAAAMAAAAAQAAAAAAAAAAAAAAAAAAAB8AAABUAAAAAAAABQAAAAEAAAAAAAAAAAAAAAAAAAAAAAAAAAAAAAAAAAAAAAAAAAAAAAJ/f38AAAAAA8zMzADAwP8Af39/AAAAAAAAAAAAAAAAAAAAAAAAAAAAIQAAABgAAAAUAAAAwAMAALABAABARwAAuAgAABAAAAAmAAAACAAAAAAAAAAAAAAA"/>
+                <pr:smNativeData xmlns="smNativeData" xmlns:pr="smNativeData" xmlns:p15="http://schemas.microsoft.com/office/powerpoint/2012/main" xmlns:p14="http://schemas.microsoft.com/office/powerpoint/2010/main" xmlns:mc="http://schemas.openxmlformats.org/markup-compatibility/2006" val="SMDATA_15_wwJCaRMAAAAlAAAAZAAAAA8BAAAAkAAAAEgAAACQAAAASAAAAAAAAAABAAAAAAAAAAEAAABQAAAAAAAAAAAA4D8AAAAAAADgPwAAAAAAAOA/AAAAAAAA4D8AAAAAAADgPwAAAAAAAOA/AAAAAAAA4D8AAAAAAADgPwAAAAAAAOA/AAAAAAAA4D8CAAAAjAAAAAAAAAAAAAAAu+DjDP///wgAAAAAAAAAAAAAAAAAAAAAAAAAAAAAAAAAAAAAZAAAAAEAAABAAAAAAAAAAAAAAAAAAAAAAAAAAAAAAAAAAAAAAAAAAAAAAAAAAAAAAAAAAAAAAAAAAAAAAAAAAAAAAAAAAAAAAAAAAAAAAAAAAAAAAAAAAAAAAAAAAAAAFAAAADwAAAAAAAAAAAAAAAAAAAkUAAAAAQAAABQAAAAUAAAAFAAAAAEAAAAAAAAAZAAAAGQAAAAAAAAAZAAAAGQAAAAVAAAAYAAAAAAAAAAAAAAADwAAACADAAAAAAAAAAAAAAEAAACgMgAAVgcAAKr4//8BAAAAf39/AAEAAABkAAAAAAAAABQAAABAHwAAAAAAACYAAAAAAAAAwOD//wAAAAAmAAAAZAAAABYAAABMAAAAAAAAAAAAAAAEAAAAAAAAAAEAAACAgIAKAAAAACgAAAAoAAAAZAAAAGQAAAAAAAAAzMzMAAAAAABQAAAAUAAAAGQAAABkAAAAAAAAABcAAAAUAAAAAAAAAAAAAAD/fwAA/38AAAAAAAAJAAAABAAAAMUAAAAeAAAAaAAAAAAAAAAAAAAAAAAAAAAAAAAAAAAAECcAABAnAAAAAAAAAAAAAAAAAAAAAAAAAAAAAAAAAAAAAAAAAAAAABQAAAAAAAAAwMD/AAAAAABkAAAAMgAAAAAAAABkAAAAAAAAAH9/fwAKAAAAIgAAABgAAAAAAAAAAAAAAAAAAAAAAAAAAAAAAAAAAAAkAAAAJAAAAAAAAAAHAAAAAAAAAAAAAAAAAAAAAAAAAAAAAAAAAAAAf39/ACUAAABYAAAAAAAAAAAAAAAAAAAAAAAAAAAAAAAAAAAAAAAAAAAAAAAAAAAAAAAAAAAAAAA/AAAAAAAAAKCGAQAAAAAAAAAAAAAAAAAMAAAAAQAAAAAAAAAAAAAAAAAAAB8AAABUAAAAAAAABQAAAAEAAAAAAAAAAAAAAAAAAAAAAAAAAAAAAAAAAAAAAAAAAAAAAAJ/f38AAAAAA8zMzADAwP8Af39/AAAAAAAAAAAAAAAAAAAAAAAAAAAAIQAAABgAAAAUAAAAwAMAALABAABARwAAuAgAABAAAAAmAAAACAAAAAAAAAAAAAAA"/>
               </a:ext>
             </a:extLst>
           </p:cNvSpPr>
@@ -3980,7 +3960,6 @@
           <a:bodyPr/>
           <a:lstStyle/>
           <a:p>
-            <a:pPr/>
             <a:r>
               <a:t>Conda install</a:t>
             </a:r>
@@ -3994,7 +3973,7 @@
             <a:spLocks noGrp="1" noChangeArrowheads="1"/>
             <a:extLst>
               <a:ext uri="smNativeData">
-                <pr:smNativeData xmlns:pr="smNativeData" xmlns="smNativeData" val="SMDATA_15_wwJCaRMAAAAlAAAAZAAAAA8BAAAAkAAAAEgAAACQAAAASAAAAAAAAAAAAAAAAAAAAAEAAABQAAAAAAAAAAAA4D8AAAAAAADgPwAAAAAAAOA/AAAAAAAA4D8AAAAAAADgPwAAAAAAAOA/AAAAAAAA4D8AAAAAAADgPwAAAAAAAOA/AAAAAAAA4D8CAAAAjAAAAAAAAAAAAAAAu+DjDP///wgAAAAAAAAAAAAAAAAAAAAAAAAAAAAAAAAAAAAAZAAAAAEAAABAAAAAAAAAAAAAAAAAAAAAAAAAAAAAAAAAAAAAAAAAAAAAAAAAAAAAAAAAAAAAAAAAAAAAAAAAAAAAAAAAAAAAAAAAAAAAAAAAAAAAAAAAAAAAAAAAAAAAFAAAADwAAAAAAAAAAAAAAAAAAAkUAAAAAQAAABQAAAAUAAAAFAAAAAEAAAAAAAAAZAAAAGQAAAAAAAAAZAAAAGQAAAAVAAAAYAAAAAAAAAAAAAAADwAAACADAAAAAAAAAAAAAAEAAACgMgAAVgcAAKr4//8BAAAAf39/AAEAAABkAAAAAAAAABQAAABAHwAAAAAAACYAAAAAAAAAwOD//wAAAAAmAAAAZAAAABYAAABMAAAAAAAAAAAAAAAEAAAAAAAAAAEAAACAgIAKAAAAACgAAAAoAAAAZAAAAGQAAAAAAAAAzMzMAAAAAABQAAAAUAAAAGQAAABkAAAAAAAAABcAAAAUAAAAAAAAAAAAAAD/fwAA/38AAAAAAAAJAAAABAAAAAAAAAAeAAAAaAAAAAAAAAAAAAAAAAAAAAAAAAAAAAAAECcAABAnAAAAAAAAAAAAAAAAAAAAAAAAAAAAAAAAAAAAAAAAAAAAABQAAAAAAAAAwMD/AAAAAABkAAAAMgAAAAAAAABkAAAAAAAAAH9/fwAKAAAAIgAAABgAAAAAAAAAAAAAAAAAAAAAAAAAAAAAAAAAAAAkAAAAJAAAAAAAAAAHAAAAAAAAAAAAAAAAAAAAAAAAAAAAAAAAAAAAf39/ACUAAABYAAAAAAAAAAAAAAAAAAAAAAAAAAAAAAAAAAAAAAAAAAAAAAAAAAAAAAAAAAAAAAA/AAAAAAAAAKCGAQAAAAAAAAAAAAAAAAAMAAAAAQAAAAAAAAAAAAAAAAAAAB8AAABUAAAAAAAABQAAAAEAAAAAAAAAAAAAAAAAAAAAAAAAAAAAAAAAAAAAAAAAAAAAAAJ/f38AAAAAA8zMzADAwP8Af39/AAAAAAAAAAAAAAAAAAAAAAAAAAAAIQAAABgAAAAUAAAAwAMAANgJAABARwAAsCUAAAAAAAAmAAAACAAAAAEAAAAAAAAA"/>
+                <pr:smNativeData xmlns="smNativeData" xmlns:pr="smNativeData" xmlns:p15="http://schemas.microsoft.com/office/powerpoint/2012/main" xmlns:p14="http://schemas.microsoft.com/office/powerpoint/2010/main" xmlns:mc="http://schemas.openxmlformats.org/markup-compatibility/2006" val="SMDATA_15_wwJCaRMAAAAlAAAAZAAAAA8BAAAAkAAAAEgAAACQAAAASAAAAAAAAAAAAAAAAAAAAAEAAABQAAAAAAAAAAAA4D8AAAAAAADgPwAAAAAAAOA/AAAAAAAA4D8AAAAAAADgPwAAAAAAAOA/AAAAAAAA4D8AAAAAAADgPwAAAAAAAOA/AAAAAAAA4D8CAAAAjAAAAAAAAAAAAAAAu+DjDP///wgAAAAAAAAAAAAAAAAAAAAAAAAAAAAAAAAAAAAAZAAAAAEAAABAAAAAAAAAAAAAAAAAAAAAAAAAAAAAAAAAAAAAAAAAAAAAAAAAAAAAAAAAAAAAAAAAAAAAAAAAAAAAAAAAAAAAAAAAAAAAAAAAAAAAAAAAAAAAAAAAAAAAFAAAADwAAAAAAAAAAAAAAAAAAAkUAAAAAQAAABQAAAAUAAAAFAAAAAEAAAAAAAAAZAAAAGQAAAAAAAAAZAAAAGQAAAAVAAAAYAAAAAAAAAAAAAAADwAAACADAAAAAAAAAAAAAAEAAACgMgAAVgcAAKr4//8BAAAAf39/AAEAAABkAAAAAAAAABQAAABAHwAAAAAAACYAAAAAAAAAwOD//wAAAAAmAAAAZAAAABYAAABMAAAAAAAAAAAAAAAEAAAAAAAAAAEAAACAgIAKAAAAACgAAAAoAAAAZAAAAGQAAAAAAAAAzMzMAAAAAABQAAAAUAAAAGQAAABkAAAAAAAAABcAAAAUAAAAAAAAAAAAAAD/fwAA/38AAAAAAAAJAAAABAAAAAAAAAAeAAAAaAAAAAAAAAAAAAAAAAAAAAAAAAAAAAAAECcAABAnAAAAAAAAAAAAAAAAAAAAAAAAAAAAAAAAAAAAAAAAAAAAABQAAAAAAAAAwMD/AAAAAABkAAAAMgAAAAAAAABkAAAAAAAAAH9/fwAKAAAAIgAAABgAAAAAAAAAAAAAAAAAAAAAAAAAAAAAAAAAAAAkAAAAJAAAAAAAAAAHAAAAAAAAAAAAAAAAAAAAAAAAAAAAAAAAAAAAf39/ACUAAABYAAAAAAAAAAAAAAAAAAAAAAAAAAAAAAAAAAAAAAAAAAAAAAAAAAAAAAAAAAAAAAA/AAAAAAAAAKCGAQAAAAAAAAAAAAAAAAAMAAAAAQAAAAAAAAAAAAAAAAAAAB8AAABUAAAAAAAABQAAAAEAAAAAAAAAAAAAAAAAAAAAAAAAAAAAAAAAAAAAAAAAAAAAAAJ/f38AAAAAA8zMzADAwP8Af39/AAAAAAAAAAAAAAAAAAAAAAAAAAAAIQAAABgAAAAUAAAAwAMAANgJAABARwAAsCUAAAAAAAAmAAAACAAAAAEAAAAAAAAA"/>
               </a:ext>
             </a:extLst>
           </p:cNvSpPr>
@@ -4012,7 +3991,6 @@
           <a:bodyPr/>
           <a:lstStyle/>
           <a:p>
-            <a:pPr/>
             <a:r>
               <a:t>Prefer using ‘conda install’ over ’pip install’, like:</a:t>
             </a:r>
@@ -4054,7 +4032,6 @@
             </a:r>
           </a:p>
           <a:p>
-            <a:pPr/>
             <a:r>
               <a:t>Often need to create environment (like PyTorchStepByStep):</a:t>
             </a:r>
@@ -4083,7 +4060,7 @@
 </file>
 
 <file path=ppt/slides/slide4.xml><?xml version="1.0" encoding="utf-8"?>
-<p:sld xmlns:p="http://schemas.openxmlformats.org/presentationml/2006/main" xmlns:mc="http://schemas.openxmlformats.org/markup-compatibility/2006" xmlns:p14="http://schemas.microsoft.com/office/powerpoint/2010/main" xmlns:p15="http://schemas.microsoft.com/office/powerpoint/2012/main" xmlns:r="http://schemas.openxmlformats.org/officeDocument/2006/relationships" xmlns:a="http://schemas.openxmlformats.org/drawingml/2006/main" mc:Ignorable="p14">
+<p:sld xmlns:a="http://schemas.openxmlformats.org/drawingml/2006/main" xmlns:r="http://schemas.openxmlformats.org/officeDocument/2006/relationships" xmlns:p="http://schemas.openxmlformats.org/presentationml/2006/main">
   <p:cSld>
     <p:spTree>
       <p:nvGrpSpPr>
@@ -4106,7 +4083,7 @@
             <a:spLocks noGrp="1" noChangeArrowheads="1"/>
             <a:extLst>
               <a:ext uri="smNativeData">
-                <pr:smNativeData xmlns:pr="smNativeData" xmlns="smNativeData" val="SMDATA_15_wwJCaRMAAAAlAAAAZAAAAA8BAAAAkAAAAEgAAACQAAAASAAAAAAAAAABAAAAAAAAAAEAAABQAAAAAAAAAAAA4D8AAAAAAADgPwAAAAAAAOA/AAAAAAAA4D8AAAAAAADgPwAAAAAAAOA/AAAAAAAA4D8AAAAAAADgPwAAAAAAAOA/AAAAAAAA4D8CAAAAjAAAAAAAAAAAAAAAu+DjDP///wgAAAAAAAAAAAAAAAAAAAAAAAAAAAAAAAAAAAAAZAAAAAEAAABAAAAAAAAAAAAAAAAAAAAAAAAAAAAAAAAAAAAAAAAAAAAAAAAAAAAAAAAAAAAAAAAAAAAAAAAAAAAAAAAAAAAAAAAAAAAAAAAAAAAAAAAAAAAAAAAAAAAAFAAAADwAAAAAAAAAAAAAAAAAAAkUAAAAAQAAABQAAAAUAAAAFAAAAAEAAAAAAAAAZAAAAGQAAAAAAAAAZAAAAGQAAAAVAAAAYAAAAAAAAAAAAAAADwAAACADAAAAAAAAAAAAAAEAAACgMgAAVgcAAKr4//8BAAAAf39/AAEAAABkAAAAAAAAABQAAABAHwAAAAAAACYAAAAAAAAAwOD//wAAAAAmAAAAZAAAABYAAABMAAAAAAAAAAAAAAAEAAAAAAAAAAEAAACAgIAKAAAAACgAAAAoAAAAZAAAAGQAAAAAAAAAzMzMAAAAAABQAAAAUAAAAGQAAABkAAAAAAAAABcAAAAUAAAAAAAAAAAAAAD/fwAA/38AAAAAAAAJAAAABAAAAAAAAAAeAAAAaAAAAAAAAAAAAAAAAAAAAAAAAAAAAAAAECcAABAnAAAAAAAAAAAAAAAAAAAAAAAAAAAAAAAAAAAAAAAAAAAAABQAAAAAAAAAwMD/AAAAAABkAAAAMgAAAAAAAABkAAAAAAAAAH9/fwAKAAAAIgAAABgAAAAAAAAAAAAAAAAAAAAAAAAAAAAAAAAAAAAkAAAAJAAAAAAAAAAHAAAAAAAAAAAAAAAAAAAAAAAAAAAAAAAAAAAAf39/ACUAAABYAAAAAAAAAAAAAAAAAAAAAAAAAAAAAAAAAAAAAAAAAAAAAAAAAAAAAAAAAAAAAAA/AAAAAAAAAKCGAQAAAAAAAAAAAAAAAAAMAAAAAQAAAAAAAAAAAAAAAAAAAB8AAABUAAAAAAAABQAAAAEAAAAAAAAAAAAAAAAAAAAAAAAAAAAAAAAAAAAAAAAAAAAAAAJ/f38AAAAAA8zMzADAwP8Af39/AAAAAAAAAAAAAAAAAAAAAAAAAAAAIQAAABgAAAAUAAAAwAMAALABAABARwAAuAgAABAAAAAmAAAACAAAAAAAAAAAAAAA"/>
+                <pr:smNativeData xmlns="smNativeData" xmlns:pr="smNativeData" xmlns:p15="http://schemas.microsoft.com/office/powerpoint/2012/main" xmlns:p14="http://schemas.microsoft.com/office/powerpoint/2010/main" xmlns:mc="http://schemas.openxmlformats.org/markup-compatibility/2006" val="SMDATA_15_wwJCaRMAAAAlAAAAZAAAAA8BAAAAkAAAAEgAAACQAAAASAAAAAAAAAABAAAAAAAAAAEAAABQAAAAAAAAAAAA4D8AAAAAAADgPwAAAAAAAOA/AAAAAAAA4D8AAAAAAADgPwAAAAAAAOA/AAAAAAAA4D8AAAAAAADgPwAAAAAAAOA/AAAAAAAA4D8CAAAAjAAAAAAAAAAAAAAAu+DjDP///wgAAAAAAAAAAAAAAAAAAAAAAAAAAAAAAAAAAAAAZAAAAAEAAABAAAAAAAAAAAAAAAAAAAAAAAAAAAAAAAAAAAAAAAAAAAAAAAAAAAAAAAAAAAAAAAAAAAAAAAAAAAAAAAAAAAAAAAAAAAAAAAAAAAAAAAAAAAAAAAAAAAAAFAAAADwAAAAAAAAAAAAAAAAAAAkUAAAAAQAAABQAAAAUAAAAFAAAAAEAAAAAAAAAZAAAAGQAAAAAAAAAZAAAAGQAAAAVAAAAYAAAAAAAAAAAAAAADwAAACADAAAAAAAAAAAAAAEAAACgMgAAVgcAAKr4//8BAAAAf39/AAEAAABkAAAAAAAAABQAAABAHwAAAAAAACYAAAAAAAAAwOD//wAAAAAmAAAAZAAAABYAAABMAAAAAAAAAAAAAAAEAAAAAAAAAAEAAACAgIAKAAAAACgAAAAoAAAAZAAAAGQAAAAAAAAAzMzMAAAAAABQAAAAUAAAAGQAAABkAAAAAAAAABcAAAAUAAAAAAAAAAAAAAD/fwAA/38AAAAAAAAJAAAABAAAAAAAAAAeAAAAaAAAAAAAAAAAAAAAAAAAAAAAAAAAAAAAECcAABAnAAAAAAAAAAAAAAAAAAAAAAAAAAAAAAAAAAAAAAAAAAAAABQAAAAAAAAAwMD/AAAAAABkAAAAMgAAAAAAAABkAAAAAAAAAH9/fwAKAAAAIgAAABgAAAAAAAAAAAAAAAAAAAAAAAAAAAAAAAAAAAAkAAAAJAAAAAAAAAAHAAAAAAAAAAAAAAAAAAAAAAAAAAAAAAAAAAAAf39/ACUAAABYAAAAAAAAAAAAAAAAAAAAAAAAAAAAAAAAAAAAAAAAAAAAAAAAAAAAAAAAAAAAAAA/AAAAAAAAAKCGAQAAAAAAAAAAAAAAAAAMAAAAAQAAAAAAAAAAAAAAAAAAAB8AAABUAAAAAAAABQAAAAEAAAAAAAAAAAAAAAAAAAAAAAAAAAAAAAAAAAAAAAAAAAAAAAJ/f38AAAAAA8zMzADAwP8Af39/AAAAAAAAAAAAAAAAAAAAAAAAAAAAIQAAABgAAAAUAAAAwAMAALABAABARwAAuAgAABAAAAAmAAAACAAAAAAAAAAAAAAA"/>
               </a:ext>
             </a:extLst>
           </p:cNvSpPr>
@@ -4119,7 +4096,6 @@
           <a:bodyPr/>
           <a:lstStyle/>
           <a:p>
-            <a:pPr/>
             <a:r>
               <a:t>Computer PyTorch installs</a:t>
             </a:r>
@@ -4133,7 +4109,7 @@
             <a:spLocks noGrp="1" noChangeArrowheads="1"/>
             <a:extLst>
               <a:ext uri="smNativeData">
-                <pr:smNativeData xmlns:pr="smNativeData" xmlns="smNativeData" val="SMDATA_15_wwJCaRMAAAAlAAAAZAAAAA8BAAAAkAAAAEgAAACQAAAASAAAAAAAAAAAAAAAAAAAAAEAAABQAAAAAAAAAAAA4D8AAAAAAADgPwAAAAAAAOA/AAAAAAAA4D8AAAAAAADgPwAAAAAAAOA/AAAAAAAA4D8AAAAAAADgPwAAAAAAAOA/AAAAAAAA4D8CAAAAjAAAAAAAAAAAAAAAu+DjDP///wgAAAAAAAAAAAAAAAAAAAAAAAAAAAAAAAAAAAAAZAAAAAEAAABAAAAAAAAAAAAAAAAAAAAAAAAAAAAAAAAAAAAAAAAAAAAAAAAAAAAAAAAAAAAAAAAAAAAAAAAAAAAAAAAAAAAAAAAAAAAAAAAAAAAAAAAAAAAAAAAAAAAAFAAAADwAAAAAAAAAAAAAAAAAAAkUAAAAAQAAABQAAAAUAAAAFAAAAAEAAAAAAAAAZAAAAGQAAAAAAAAAZAAAAGQAAAAVAAAAYAAAAAAAAAAAAAAADwAAACADAAAAAAAAAAAAAAEAAACgMgAAVgcAAKr4//8BAAAAf39/AAEAAABkAAAAAAAAABQAAABAHwAAAAAAACYAAAAAAAAAwOD//wAAAAAmAAAAZAAAABYAAABMAAAAAAAAAAAAAAAEAAAAAAAAAAEAAACAgIAKAAAAACgAAAAoAAAAZAAAAGQAAAAAAAAAzMzMAAAAAABQAAAAUAAAAGQAAABkAAAAAAAAABcAAAAUAAAAAAAAAAAAAAD/fwAA/38AAAAAAAAJAAAABAAAAAAAAAAeAAAAaAAAAAAAAAAAAAAAAAAAAAAAAAAAAAAAECcAABAnAAAAAAAAAAAAAAAAAAAAAAAAAAAAAAAAAAAAAAAAAAAAABQAAAAAAAAAwMD/AAAAAABkAAAAMgAAAAAAAABkAAAAAAAAAH9/fwAKAAAAIgAAABgAAAAAAAAAAAAAAAAAAAAAAAAAAAAAAAAAAAAkAAAAJAAAAAAAAAAHAAAAAAAAAAAAAAAAAAAAAAAAAAAAAAAAAAAAf39/ACUAAABYAAAAAAAAAAAAAAAAAAAAAAAAAAAAAAAAAAAAAAAAAAAAAAAAAAAAAAAAAAAAAAA/AAAAAAAAAKCGAQAAAAAAAAAAAAAAAAAMAAAAAQAAAAAAAAAAAAAAAAAAAB8AAABUAAAAAAAABQAAAAEAAAAAAAAAAAAAAAAAAAAAAAAAAAAAAAAAAAAAAAAAAAAAAAJ/f38AAAAAA8zMzADAwP8Af39/AAAAAAAAAAAAAAAAAAAAAAAAAAAAIQAAABgAAAAUAAAAwAMAANgJAABARwAAsCUAAAAAAAAmAAAACAAAAAEAAAAAAAAA"/>
+                <pr:smNativeData xmlns="smNativeData" xmlns:pr="smNativeData" xmlns:p15="http://schemas.microsoft.com/office/powerpoint/2012/main" xmlns:p14="http://schemas.microsoft.com/office/powerpoint/2010/main" xmlns:mc="http://schemas.openxmlformats.org/markup-compatibility/2006" val="SMDATA_15_wwJCaRMAAAAlAAAAZAAAAA8BAAAAkAAAAEgAAACQAAAASAAAAAAAAAAAAAAAAAAAAAEAAABQAAAAAAAAAAAA4D8AAAAAAADgPwAAAAAAAOA/AAAAAAAA4D8AAAAAAADgPwAAAAAAAOA/AAAAAAAA4D8AAAAAAADgPwAAAAAAAOA/AAAAAAAA4D8CAAAAjAAAAAAAAAAAAAAAu+DjDP///wgAAAAAAAAAAAAAAAAAAAAAAAAAAAAAAAAAAAAAZAAAAAEAAABAAAAAAAAAAAAAAAAAAAAAAAAAAAAAAAAAAAAAAAAAAAAAAAAAAAAAAAAAAAAAAAAAAAAAAAAAAAAAAAAAAAAAAAAAAAAAAAAAAAAAAAAAAAAAAAAAAAAAFAAAADwAAAAAAAAAAAAAAAAAAAkUAAAAAQAAABQAAAAUAAAAFAAAAAEAAAAAAAAAZAAAAGQAAAAAAAAAZAAAAGQAAAAVAAAAYAAAAAAAAAAAAAAADwAAACADAAAAAAAAAAAAAAEAAACgMgAAVgcAAKr4//8BAAAAf39/AAEAAABkAAAAAAAAABQAAABAHwAAAAAAACYAAAAAAAAAwOD//wAAAAAmAAAAZAAAABYAAABMAAAAAAAAAAAAAAAEAAAAAAAAAAEAAACAgIAKAAAAACgAAAAoAAAAZAAAAGQAAAAAAAAAzMzMAAAAAABQAAAAUAAAAGQAAABkAAAAAAAAABcAAAAUAAAAAAAAAAAAAAD/fwAA/38AAAAAAAAJAAAABAAAAAAAAAAeAAAAaAAAAAAAAAAAAAAAAAAAAAAAAAAAAAAAECcAABAnAAAAAAAAAAAAAAAAAAAAAAAAAAAAAAAAAAAAAAAAAAAAABQAAAAAAAAAwMD/AAAAAABkAAAAMgAAAAAAAABkAAAAAAAAAH9/fwAKAAAAIgAAABgAAAAAAAAAAAAAAAAAAAAAAAAAAAAAAAAAAAAkAAAAJAAAAAAAAAAHAAAAAAAAAAAAAAAAAAAAAAAAAAAAAAAAAAAAf39/ACUAAABYAAAAAAAAAAAAAAAAAAAAAAAAAAAAAAAAAAAAAAAAAAAAAAAAAAAAAAAAAAAAAAA/AAAAAAAAAKCGAQAAAAAAAAAAAAAAAAAMAAAAAQAAAAAAAAAAAAAAAAAAAB8AAABUAAAAAAAABQAAAAEAAAAAAAAAAAAAAAAAAAAAAAAAAAAAAAAAAAAAAAAAAAAAAAJ/f38AAAAAA8zMzADAwP8Af39/AAAAAAAAAAAAAAAAAAAAAAAAAAAAIQAAABgAAAAUAAAAwAMAANgJAABARwAAsCUAAAAAAAAmAAAACAAAAAEAAAAAAAAA"/>
               </a:ext>
             </a:extLst>
           </p:cNvSpPr>
@@ -4151,7 +4127,6 @@
           <a:bodyPr/>
           <a:lstStyle/>
           <a:p>
-            <a:pPr/>
             <a:r>
               <a:t>main Win10 Ryzen5 7600X3D 4100Mhz 64gb RTX3060 12gb:</a:t>
             </a:r>
@@ -4163,7 +4138,6 @@
             </a:r>
           </a:p>
           <a:p>
-            <a:pPr/>
             <a:r>
               <a:t>Ubuntu Ryzen 5 5500 2400Mhz 32gb RTX4060Ti 16gb:</a:t>
             </a:r>
@@ -4214,10 +4188,8 @@
               <a:rPr sz="2000" cap="none"/>
               <a:t>Probably better to ‘conda pytorchnotebook’ and then ‘code’ to get into Visual Studio Code</a:t>
             </a:r>
-            <a:endParaRPr sz="2000" cap="none"/>
-          </a:p>
-          <a:p>
-            <a:pPr/>
+          </a:p>
+          <a:p>
             <a:r>
               <a:t>Laptop Win11 i5-134020H 2100Mhz 16gb RTX4050 6gb:</a:t>
             </a:r>
@@ -4229,25 +4201,26 @@
             </a:r>
           </a:p>
           <a:p>
-            <a:pPr/>
             <a:r>
               <a:t>Gaming Win11 Ryzen9 7900X(12c) 32gb RTX5070 12gb</a:t>
             </a:r>
           </a:p>
           <a:p>
-            <a:pPr/>
             <a:r>
               <a:t>Mac Mini 16GB: PyTorch is possible but slow</a:t>
             </a:r>
           </a:p>
           <a:p>
             <a:pPr lvl="1"/>
+            <a:endParaRPr/>
           </a:p>
           <a:p>
             <a:pPr lvl="1"/>
+            <a:endParaRPr/>
           </a:p>
           <a:p>
             <a:pPr lvl="1"/>
+            <a:endParaRPr/>
           </a:p>
         </p:txBody>
       </p:sp>
@@ -4267,7 +4240,7 @@
 </file>
 
 <file path=ppt/slides/slide5.xml><?xml version="1.0" encoding="utf-8"?>
-<p:sld xmlns:p="http://schemas.openxmlformats.org/presentationml/2006/main" xmlns:mc="http://schemas.openxmlformats.org/markup-compatibility/2006" xmlns:p14="http://schemas.microsoft.com/office/powerpoint/2010/main" xmlns:p15="http://schemas.microsoft.com/office/powerpoint/2012/main" xmlns:r="http://schemas.openxmlformats.org/officeDocument/2006/relationships" xmlns:a="http://schemas.openxmlformats.org/drawingml/2006/main" mc:Ignorable="p14">
+<p:sld xmlns:a="http://schemas.openxmlformats.org/drawingml/2006/main" xmlns:r="http://schemas.openxmlformats.org/officeDocument/2006/relationships" xmlns:p="http://schemas.openxmlformats.org/presentationml/2006/main">
   <p:cSld>
     <p:spTree>
       <p:nvGrpSpPr>
@@ -4290,7 +4263,7 @@
             <a:spLocks noGrp="1" noChangeArrowheads="1"/>
             <a:extLst>
               <a:ext uri="smNativeData">
-                <pr:smNativeData xmlns:pr="smNativeData" xmlns="smNativeData" val="SMDATA_15_wwJCaRMAAAAlAAAAZAAAAA8BAAAAkAAAAEgAAACQAAAASAAAAAAAAAABAAAAAAAAAAEAAABQAAAAAAAAAAAA4D8AAAAAAADgPwAAAAAAAOA/AAAAAAAA4D8AAAAAAADgPwAAAAAAAOA/AAAAAAAA4D8AAAAAAADgPwAAAAAAAOA/AAAAAAAA4D8CAAAAjAAAAAAAAAAAAAAAu+DjDP///wgAAAAAAAAAAAAAAAAAAAAAAAAAAAAAAAAAAAAAZAAAAAEAAABAAAAAAAAAAAAAAAAAAAAAAAAAAAAAAAAAAAAAAAAAAAAAAAAAAAAAAAAAAAAAAAAAAAAAAAAAAAAAAAAAAAAAAAAAAAAAAAAAAAAAAAAAAAAAAAAAAAAAFAAAADwAAAAAAAAAAAAAAAAAAAkUAAAAAQAAABQAAAAUAAAAFAAAAAEAAAAAAAAAZAAAAGQAAAAAAAAAZAAAAGQAAAAVAAAAYAAAAAAAAAAAAAAADwAAACADAAAAAAAAAAAAAAEAAACgMgAAVgcAAKr4//8BAAAAf39/AAEAAABkAAAAAAAAABQAAABAHwAAAAAAACYAAAAAAAAAwOD//wAAAAAmAAAAZAAAABYAAABMAAAAAAAAAAAAAAAEAAAAAAAAAAEAAACAgIAKAAAAACgAAAAoAAAAZAAAAGQAAAAAAAAAzMzMAAAAAABQAAAAUAAAAGQAAABkAAAAAAAAABcAAAAUAAAAAAAAAAAAAAD/fwAA/38AAAAAAAAJAAAABAAAAF8AYAAeAAAAaAAAAAAAAAAAAAAAAAAAAAAAAAAAAAAAECcAABAnAAAAAAAAAAAAAAAAAAAAAAAAAAAAAAAAAAAAAAAAAAAAABQAAAAAAAAAwMD/AAAAAABkAAAAMgAAAAAAAABkAAAAAAAAAH9/fwAKAAAAIgAAABgAAAAAAAAAAAAAAAAAAAAAAAAAAAAAAAAAAAAkAAAAJAAAAAAAAAAHAAAAAAAAAAAAAAAAAAAAAAAAAAAAAAAAAAAAf39/ACUAAABYAAAAAAAAAAAAAAAAAAAAAAAAAAAAAAAAAAAAAAAAAAAAAAAAAAAAAAAAAAAAAAA/AAAAAAAAAKCGAQAAAAAAAAAAAAAAAAAMAAAAAQAAAAAAAAAAAAAAAAAAAB8AAABUAAAAAAAABQAAAAEAAAAAAAAAAAAAAAAAAAAAAAAAAAAAAAAAAAAAAAAAAAAAAAJ/f38AAAAAA8zMzADAwP8Af39/AAAAAAAAAAAAAAAAAAAAAAAAAAAAIQAAABgAAAAUAAAAwAMAALABAABARwAAuAgAABAAAAAmAAAACAAAAAAAAAAAAAAA"/>
+                <pr:smNativeData xmlns="smNativeData" xmlns:pr="smNativeData" xmlns:p15="http://schemas.microsoft.com/office/powerpoint/2012/main" xmlns:p14="http://schemas.microsoft.com/office/powerpoint/2010/main" xmlns:mc="http://schemas.openxmlformats.org/markup-compatibility/2006" val="SMDATA_15_wwJCaRMAAAAlAAAAZAAAAA8BAAAAkAAAAEgAAACQAAAASAAAAAAAAAABAAAAAAAAAAEAAABQAAAAAAAAAAAA4D8AAAAAAADgPwAAAAAAAOA/AAAAAAAA4D8AAAAAAADgPwAAAAAAAOA/AAAAAAAA4D8AAAAAAADgPwAAAAAAAOA/AAAAAAAA4D8CAAAAjAAAAAAAAAAAAAAAu+DjDP///wgAAAAAAAAAAAAAAAAAAAAAAAAAAAAAAAAAAAAAZAAAAAEAAABAAAAAAAAAAAAAAAAAAAAAAAAAAAAAAAAAAAAAAAAAAAAAAAAAAAAAAAAAAAAAAAAAAAAAAAAAAAAAAAAAAAAAAAAAAAAAAAAAAAAAAAAAAAAAAAAAAAAAFAAAADwAAAAAAAAAAAAAAAAAAAkUAAAAAQAAABQAAAAUAAAAFAAAAAEAAAAAAAAAZAAAAGQAAAAAAAAAZAAAAGQAAAAVAAAAYAAAAAAAAAAAAAAADwAAACADAAAAAAAAAAAAAAEAAACgMgAAVgcAAKr4//8BAAAAf39/AAEAAABkAAAAAAAAABQAAABAHwAAAAAAACYAAAAAAAAAwOD//wAAAAAmAAAAZAAAABYAAABMAAAAAAAAAAAAAAAEAAAAAAAAAAEAAACAgIAKAAAAACgAAAAoAAAAZAAAAGQAAAAAAAAAzMzMAAAAAABQAAAAUAAAAGQAAABkAAAAAAAAABcAAAAUAAAAAAAAAAAAAAD/fwAA/38AAAAAAAAJAAAABAAAAF8AYAAeAAAAaAAAAAAAAAAAAAAAAAAAAAAAAAAAAAAAECcAABAnAAAAAAAAAAAAAAAAAAAAAAAAAAAAAAAAAAAAAAAAAAAAABQAAAAAAAAAwMD/AAAAAABkAAAAMgAAAAAAAABkAAAAAAAAAH9/fwAKAAAAIgAAABgAAAAAAAAAAAAAAAAAAAAAAAAAAAAAAAAAAAAkAAAAJAAAAAAAAAAHAAAAAAAAAAAAAAAAAAAAAAAAAAAAAAAAAAAAf39/ACUAAABYAAAAAAAAAAAAAAAAAAAAAAAAAAAAAAAAAAAAAAAAAAAAAAAAAAAAAAAAAAAAAAA/AAAAAAAAAKCGAQAAAAAAAAAAAAAAAAAMAAAAAQAAAAAAAAAAAAAAAAAAAB8AAABUAAAAAAAABQAAAAEAAAAAAAAAAAAAAAAAAAAAAAAAAAAAAAAAAAAAAAAAAAAAAAJ/f38AAAAAA8zMzADAwP8Af39/AAAAAAAAAAAAAAAAAAAAAAAAAAAAIQAAABgAAAAUAAAAwAMAALABAABARwAAuAgAABAAAAAmAAAACAAAAAAAAAAAAAAA"/>
               </a:ext>
             </a:extLst>
           </p:cNvSpPr>
@@ -4303,7 +4276,6 @@
           <a:bodyPr/>
           <a:lstStyle/>
           <a:p>
-            <a:pPr/>
             <a:r>
               <a:t>Books and what they cover</a:t>
             </a:r>
@@ -4317,7 +4289,7 @@
             <a:spLocks noGrp="1" noChangeArrowheads="1"/>
             <a:extLst>
               <a:ext uri="smNativeData">
-                <pr:smNativeData xmlns:pr="smNativeData" xmlns="smNativeData" val="SMDATA_15_wwJCaRMAAAAlAAAAZAAAAA8BAAAAkAAAAEgAAACQAAAASAAAAAAAAAAAAAAAAAAAAAEAAABQAAAAAAAAAAAA4D8AAAAAAADgPwAAAAAAAOA/AAAAAAAA4D8AAAAAAADgPwAAAAAAAOA/AAAAAAAA4D8AAAAAAADgPwAAAAAAAOA/AAAAAAAA4D8CAAAAjAAAAAAAAAAAAAAAu+DjDP///wgAAAAAAAAAAAAAAAAAAAAAAAAAAAAAAAAAAAAAZAAAAAEAAABAAAAAAAAAAAAAAAAAAAAAAAAAAAAAAAAAAAAAAAAAAAAAAAAAAAAAAAAAAAAAAAAAAAAAAAAAAAAAAAAAAAAAAAAAAAAAAAAAAAAAAAAAAAAAAAAAAAAAFAAAADwAAAAAAAAAAAAAAAAAAAkUAAAAAQAAABQAAAAUAAAAFAAAAAEAAAAAAAAAZAAAAGQAAAAAAAAAZAAAAGQAAAAVAAAAYAAAAAAAAAAAAAAADwAAACADAAAAAAAAAAAAAAEAAACgMgAAVgcAAKr4//8BAAAAf39/AAEAAABkAAAAAAAAABQAAABAHwAAAAAAACYAAAAAAAAAwOD//wAAAAAmAAAAZAAAABYAAABMAAAAAAAAAAAAAAAEAAAAAAAAAAEAAACAgIAKAAAAACgAAAAoAAAAZAAAAGQAAAAAAAAAzMzMAAAAAABQAAAAUAAAAGQAAABkAAAAAAAAABcAAAAUAAAAAAAAAAAAAAD/fwAA/38AAAAAAAAJAAAABAAAAF8AYAAeAAAAaAAAAAAAAAAAAAAAAAAAAAAAAAAAAAAAECcAABAnAAAAAAAAAAAAAAAAAAAAAAAAAAAAAAAAAAAAAAAAAAAAABQAAAAAAAAAwMD/AAAAAABkAAAAMgAAAAAAAABkAAAAAAAAAH9/fwAKAAAAIgAAABgAAAAAAAAAAAAAAAAAAAAAAAAAAAAAAAAAAAAkAAAAJAAAAAAAAAAHAAAAAAAAAAAAAAAAAAAAAAAAAAAAAAAAAAAAf39/ACUAAABYAAAAAAAAAAAAAAAAAAAAAAAAAAAAAAAAAAAAAAAAAAAAAAAAAAAAAAAAAAAAAAA/AAAAAAAAAKCGAQAAAAAAAAAAAAAAAAAMAAAAAQAAAAAAAAAAAAAAAAAAAB8AAABUAAAAAAAABQAAAAEAAAAAAAAAAAAAAAAAAAAAAAAAAAAAAAAAAAAAAAAAAAAAAAJ/f38AAAAAA8zMzADAwP8Af39/AAAAAAAAAAAAAAAAAAAAAAAAAAAAIQAAABgAAAAUAAAAwAMAANgJAABARwAAsCUAABAAAAAmAAAACAAAAAAAAAAAAAAA"/>
+                <pr:smNativeData xmlns="smNativeData" xmlns:pr="smNativeData" xmlns:p15="http://schemas.microsoft.com/office/powerpoint/2012/main" xmlns:p14="http://schemas.microsoft.com/office/powerpoint/2010/main" xmlns:mc="http://schemas.openxmlformats.org/markup-compatibility/2006" val="SMDATA_15_wwJCaRMAAAAlAAAAZAAAAA8BAAAAkAAAAEgAAACQAAAASAAAAAAAAAAAAAAAAAAAAAEAAABQAAAAAAAAAAAA4D8AAAAAAADgPwAAAAAAAOA/AAAAAAAA4D8AAAAAAADgPwAAAAAAAOA/AAAAAAAA4D8AAAAAAADgPwAAAAAAAOA/AAAAAAAA4D8CAAAAjAAAAAAAAAAAAAAAu+DjDP///wgAAAAAAAAAAAAAAAAAAAAAAAAAAAAAAAAAAAAAZAAAAAEAAABAAAAAAAAAAAAAAAAAAAAAAAAAAAAAAAAAAAAAAAAAAAAAAAAAAAAAAAAAAAAAAAAAAAAAAAAAAAAAAAAAAAAAAAAAAAAAAAAAAAAAAAAAAAAAAAAAAAAAFAAAADwAAAAAAAAAAAAAAAAAAAkUAAAAAQAAABQAAAAUAAAAFAAAAAEAAAAAAAAAZAAAAGQAAAAAAAAAZAAAAGQAAAAVAAAAYAAAAAAAAAAAAAAADwAAACADAAAAAAAAAAAAAAEAAACgMgAAVgcAAKr4//8BAAAAf39/AAEAAABkAAAAAAAAABQAAABAHwAAAAAAACYAAAAAAAAAwOD//wAAAAAmAAAAZAAAABYAAABMAAAAAAAAAAAAAAAEAAAAAAAAAAEAAACAgIAKAAAAACgAAAAoAAAAZAAAAGQAAAAAAAAAzMzMAAAAAABQAAAAUAAAAGQAAABkAAAAAAAAABcAAAAUAAAAAAAAAAAAAAD/fwAA/38AAAAAAAAJAAAABAAAAF8AYAAeAAAAaAAAAAAAAAAAAAAAAAAAAAAAAAAAAAAAECcAABAnAAAAAAAAAAAAAAAAAAAAAAAAAAAAAAAAAAAAAAAAAAAAABQAAAAAAAAAwMD/AAAAAABkAAAAMgAAAAAAAABkAAAAAAAAAH9/fwAKAAAAIgAAABgAAAAAAAAAAAAAAAAAAAAAAAAAAAAAAAAAAAAkAAAAJAAAAAAAAAAHAAAAAAAAAAAAAAAAAAAAAAAAAAAAAAAAAAAAf39/ACUAAABYAAAAAAAAAAAAAAAAAAAAAAAAAAAAAAAAAAAAAAAAAAAAAAAAAAAAAAAAAAAAAAA/AAAAAAAAAKCGAQAAAAAAAAAAAAAAAAAMAAAAAQAAAAAAAAAAAAAAAAAAAB8AAABUAAAAAAAABQAAAAEAAAAAAAAAAAAAAAAAAAAAAAAAAAAAAAAAAAAAAAAAAAAAAAJ/f38AAAAAA8zMzADAwP8Af39/AAAAAAAAAAAAAAAAAAAAAAAAAAAAIQAAABgAAAAUAAAAwAMAANgJAABARwAAsCUAABAAAAAmAAAACAAAAAAAAAAAAAAA"/>
               </a:ext>
             </a:extLst>
           </p:cNvSpPr>
@@ -4442,10 +4414,10 @@
             <a:endParaRPr sz="2400" cap="none"/>
           </a:p>
           <a:p>
-            <a:pPr/>
-          </a:p>
-          <a:p>
-            <a:pPr/>
+            <a:endParaRPr sz="2400" cap="none"/>
+          </a:p>
+          <a:p>
+            <a:endParaRPr sz="2400" cap="none"/>
           </a:p>
         </p:txBody>
       </p:sp>
@@ -4465,7 +4437,7 @@
 </file>
 
 <file path=ppt/slides/slide6.xml><?xml version="1.0" encoding="utf-8"?>
-<p:sld xmlns:p="http://schemas.openxmlformats.org/presentationml/2006/main" xmlns:mc="http://schemas.openxmlformats.org/markup-compatibility/2006" xmlns:p14="http://schemas.microsoft.com/office/powerpoint/2010/main" xmlns:p15="http://schemas.microsoft.com/office/powerpoint/2012/main" xmlns:r="http://schemas.openxmlformats.org/officeDocument/2006/relationships" xmlns:a="http://schemas.openxmlformats.org/drawingml/2006/main" mc:Ignorable="p14">
+<p:sld xmlns:a="http://schemas.openxmlformats.org/drawingml/2006/main" xmlns:r="http://schemas.openxmlformats.org/officeDocument/2006/relationships" xmlns:p="http://schemas.openxmlformats.org/presentationml/2006/main">
   <p:cSld>
     <p:spTree>
       <p:nvGrpSpPr>
@@ -4488,7 +4460,7 @@
             <a:spLocks noGrp="1" noChangeArrowheads="1"/>
             <a:extLst>
               <a:ext uri="smNativeData">
-                <pr:smNativeData xmlns:pr="smNativeData" xmlns="smNativeData" val="SMDATA_15_wwJCaRMAAAAlAAAAZAAAAA8BAAAAkAAAAEgAAACQAAAASAAAAAAAAAABAAAAAAAAAAEAAABQAAAAAAAAAAAA4D8AAAAAAADgPwAAAAAAAOA/AAAAAAAA4D8AAAAAAADgPwAAAAAAAOA/AAAAAAAA4D8AAAAAAADgPwAAAAAAAOA/AAAAAAAA4D8CAAAAjAAAAAAAAAAAAAAAu+DjDP///wgAAAAAAAAAAAAAAAAAAAAAAAAAAAAAAAAAAAAAZAAAAAEAAABAAAAAAAAAAAAAAAAAAAAAAAAAAAAAAAAAAAAAAAAAAAAAAAAAAAAAAAAAAAAAAAAAAAAAAAAAAAAAAAAAAAAAAAAAAAAAAAAAAAAAAAAAAAAAAAAAAAAAFAAAADwAAAAAAAAAAAAAAAAAAAkUAAAAAQAAABQAAAAUAAAAFAAAAAEAAAAAAAAAZAAAAGQAAAAAAAAAZAAAAGQAAAAVAAAAYAAAAAAAAAAAAAAADwAAACADAAAAAAAAAAAAAAEAAACgMgAAVgcAAKr4//8BAAAAf39/AAEAAABkAAAAAAAAABQAAABAHwAAAAAAACYAAAAAAAAAwOD//wAAAAAmAAAAZAAAABYAAABMAAAAAAAAAAAAAAAEAAAAAAAAAAEAAACAgIAKAAAAACgAAAAoAAAAZAAAAGQAAAAAAAAAzMzMAAAAAABQAAAAUAAAAGQAAABkAAAAAAAAABcAAAAUAAAAAAAAAAAAAAD/fwAA/38AAAAAAAAJAAAABAAAAF8AYAAeAAAAaAAAAAAAAAAAAAAAAAAAAAAAAAAAAAAAECcAABAnAAAAAAAAAAAAAAAAAAAAAAAAAAAAAAAAAAAAAAAAAAAAABQAAAAAAAAAwMD/AAAAAABkAAAAMgAAAAAAAABkAAAAAAAAAH9/fwAKAAAAIgAAABgAAAAAAAAAAAAAAAAAAAAAAAAAAAAAAAAAAAAkAAAAJAAAAAAAAAAHAAAAAAAAAAAAAAAAAAAAAAAAAAAAAAAAAAAAf39/ACUAAABYAAAAAAAAAAAAAAAAAAAAAAAAAAAAAAAAAAAAAAAAAAAAAAAAAAAAAAAAAAAAAAA/AAAAAAAAAKCGAQAAAAAAAAAAAAAAAAAMAAAAAQAAAAAAAAAAAAAAAAAAAB8AAABUAAAAAAAABQAAAAEAAAAAAAAAAAAAAAAAAAAAAAAAAAAAAAAAAAAAAAAAAAAAAAJ/f38AAAAAA8zMzADAwP8Af39/AAAAAAAAAAAAAAAAAAAAAAAAAAAAIQAAABgAAAAUAAAAwAMAALABAABARwAAuAgAAAAAAAAmAAAACAAAAAEAAAAAAAAA"/>
+                <pr:smNativeData xmlns="smNativeData" xmlns:pr="smNativeData" xmlns:p15="http://schemas.microsoft.com/office/powerpoint/2012/main" xmlns:p14="http://schemas.microsoft.com/office/powerpoint/2010/main" xmlns:mc="http://schemas.openxmlformats.org/markup-compatibility/2006" val="SMDATA_15_wwJCaRMAAAAlAAAAZAAAAA8BAAAAkAAAAEgAAACQAAAASAAAAAAAAAABAAAAAAAAAAEAAABQAAAAAAAAAAAA4D8AAAAAAADgPwAAAAAAAOA/AAAAAAAA4D8AAAAAAADgPwAAAAAAAOA/AAAAAAAA4D8AAAAAAADgPwAAAAAAAOA/AAAAAAAA4D8CAAAAjAAAAAAAAAAAAAAAu+DjDP///wgAAAAAAAAAAAAAAAAAAAAAAAAAAAAAAAAAAAAAZAAAAAEAAABAAAAAAAAAAAAAAAAAAAAAAAAAAAAAAAAAAAAAAAAAAAAAAAAAAAAAAAAAAAAAAAAAAAAAAAAAAAAAAAAAAAAAAAAAAAAAAAAAAAAAAAAAAAAAAAAAAAAAFAAAADwAAAAAAAAAAAAAAAAAAAkUAAAAAQAAABQAAAAUAAAAFAAAAAEAAAAAAAAAZAAAAGQAAAAAAAAAZAAAAGQAAAAVAAAAYAAAAAAAAAAAAAAADwAAACADAAAAAAAAAAAAAAEAAACgMgAAVgcAAKr4//8BAAAAf39/AAEAAABkAAAAAAAAABQAAABAHwAAAAAAACYAAAAAAAAAwOD//wAAAAAmAAAAZAAAABYAAABMAAAAAAAAAAAAAAAEAAAAAAAAAAEAAACAgIAKAAAAACgAAAAoAAAAZAAAAGQAAAAAAAAAzMzMAAAAAABQAAAAUAAAAGQAAABkAAAAAAAAABcAAAAUAAAAAAAAAAAAAAD/fwAA/38AAAAAAAAJAAAABAAAAF8AYAAeAAAAaAAAAAAAAAAAAAAAAAAAAAAAAAAAAAAAECcAABAnAAAAAAAAAAAAAAAAAAAAAAAAAAAAAAAAAAAAAAAAAAAAABQAAAAAAAAAwMD/AAAAAABkAAAAMgAAAAAAAABkAAAAAAAAAH9/fwAKAAAAIgAAABgAAAAAAAAAAAAAAAAAAAAAAAAAAAAAAAAAAAAkAAAAJAAAAAAAAAAHAAAAAAAAAAAAAAAAAAAAAAAAAAAAAAAAAAAAf39/ACUAAABYAAAAAAAAAAAAAAAAAAAAAAAAAAAAAAAAAAAAAAAAAAAAAAAAAAAAAAAAAAAAAAA/AAAAAAAAAKCGAQAAAAAAAAAAAAAAAAAMAAAAAQAAAAAAAAAAAAAAAAAAAB8AAABUAAAAAAAABQAAAAEAAAAAAAAAAAAAAAAAAAAAAAAAAAAAAAAAAAAAAAAAAAAAAAJ/f38AAAAAA8zMzADAwP8Af39/AAAAAAAAAAAAAAAAAAAAAAAAAAAAIQAAABgAAAAUAAAAwAMAALABAABARwAAuAgAAAAAAAAmAAAACAAAAAEAAAAAAAAA"/>
               </a:ext>
             </a:extLst>
           </p:cNvSpPr>
@@ -4506,7 +4478,6 @@
           <a:bodyPr/>
           <a:lstStyle/>
           <a:p>
-            <a:pPr/>
             <a:r>
               <a:t>Dynamic Computation Graph</a:t>
             </a:r>
@@ -4520,7 +4491,7 @@
             <a:spLocks noGrp="1" noChangeArrowheads="1"/>
             <a:extLst>
               <a:ext uri="smNativeData">
-                <pr:smNativeData xmlns:pr="smNativeData" xmlns="smNativeData" val="SMDATA_15_wwJCaRMAAAAlAAAAZAAAAA8BAAAAkAAAAEgAAACQAAAASAAAAAAAAAAAAAAAAAAAAAEAAABQAAAAAAAAAAAA4D8AAAAAAADgPwAAAAAAAOA/AAAAAAAA4D8AAAAAAADgPwAAAAAAAOA/AAAAAAAA4D8AAAAAAADgPwAAAAAAAOA/AAAAAAAA4D8CAAAAjAAAAAAAAAAAAAAAu+DjDP///wgAAAAAAAAAAAAAAAAAAAAAAAAAAAAAAAAAAAAAZAAAAAEAAABAAAAAAAAAAAAAAAAAAAAAAAAAAAAAAAAAAAAAAAAAAAAAAAAAAAAAAAAAAAAAAAAAAAAAAAAAAAAAAAAAAAAAAAAAAAAAAAAAAAAAAAAAAAAAAAAAAAAAFAAAADwAAAAAAAAAAAAAAAAAAAkUAAAAAQAAABQAAAAUAAAAFAAAAAEAAAAAAAAAZAAAAGQAAAAAAAAAZAAAAGQAAAAVAAAAYAAAAAAAAAAAAAAADwAAACADAAAAAAAAAAAAAAEAAACgMgAAVgcAAKr4//8BAAAAf39/AAEAAABkAAAAAAAAABQAAABAHwAAAAAAACYAAAAAAAAAwOD//wAAAAAmAAAAZAAAABYAAABMAAAAAAAAAAAAAAAEAAAAAAAAAAEAAACAgIAKAAAAACgAAAAoAAAAZAAAAGQAAAAAAAAAzMzMAAAAAABQAAAAUAAAAGQAAABkAAAAAAAAABcAAAAUAAAAAAAAAAAAAAD/fwAA/38AAAAAAAAJAAAABAAAAF8AYAAeAAAAaAAAAAAAAAAAAAAAAAAAAAAAAAAAAAAAECcAABAnAAAAAAAAAAAAAAAAAAAAAAAAAAAAAAAAAAAAAAAAAAAAABQAAAAAAAAAwMD/AAAAAABkAAAAMgAAAAAAAABkAAAAAAAAAH9/fwAKAAAAIgAAABgAAAAAAAAAAAAAAAAAAAAAAAAAAAAAAAAAAAAkAAAAJAAAAAAAAAAHAAAAAAAAAAAAAAAAAAAAAAAAAAAAAAAAAAAAf39/ACUAAABYAAAAAAAAAAAAAAAAAAAAAAAAAAAAAAAAAAAAAAAAAAAAAAAAAAAAAAAAAAAAAAA/AAAAAAAAAKCGAQAAAAAAAAAAAAAAAAAMAAAAAQAAAAAAAAAAAAAAAAAAAB8AAABUAAAAAAAABQAAAAEAAAAAAAAAAAAAAAAAAAAAAAAAAAAAAAAAAAAAAAAAAAAAAAJ/f38AAAAAA8zMzADAwP8Af39/AAAAAAAAAAAAAAAAAAAAAAAAAAAAIQAAABgAAAAUAAAAwAMAANgJAABARwAAsCUAAAAAAAAmAAAACAAAAAEAAAAAAAAA"/>
+                <pr:smNativeData xmlns="smNativeData" xmlns:pr="smNativeData" xmlns:p15="http://schemas.microsoft.com/office/powerpoint/2012/main" xmlns:p14="http://schemas.microsoft.com/office/powerpoint/2010/main" xmlns:mc="http://schemas.openxmlformats.org/markup-compatibility/2006" val="SMDATA_15_wwJCaRMAAAAlAAAAZAAAAA8BAAAAkAAAAEgAAACQAAAASAAAAAAAAAAAAAAAAAAAAAEAAABQAAAAAAAAAAAA4D8AAAAAAADgPwAAAAAAAOA/AAAAAAAA4D8AAAAAAADgPwAAAAAAAOA/AAAAAAAA4D8AAAAAAADgPwAAAAAAAOA/AAAAAAAA4D8CAAAAjAAAAAAAAAAAAAAAu+DjDP///wgAAAAAAAAAAAAAAAAAAAAAAAAAAAAAAAAAAAAAZAAAAAEAAABAAAAAAAAAAAAAAAAAAAAAAAAAAAAAAAAAAAAAAAAAAAAAAAAAAAAAAAAAAAAAAAAAAAAAAAAAAAAAAAAAAAAAAAAAAAAAAAAAAAAAAAAAAAAAAAAAAAAAFAAAADwAAAAAAAAAAAAAAAAAAAkUAAAAAQAAABQAAAAUAAAAFAAAAAEAAAAAAAAAZAAAAGQAAAAAAAAAZAAAAGQAAAAVAAAAYAAAAAAAAAAAAAAADwAAACADAAAAAAAAAAAAAAEAAACgMgAAVgcAAKr4//8BAAAAf39/AAEAAABkAAAAAAAAABQAAABAHwAAAAAAACYAAAAAAAAAwOD//wAAAAAmAAAAZAAAABYAAABMAAAAAAAAAAAAAAAEAAAAAAAAAAEAAACAgIAKAAAAACgAAAAoAAAAZAAAAGQAAAAAAAAAzMzMAAAAAABQAAAAUAAAAGQAAABkAAAAAAAAABcAAAAUAAAAAAAAAAAAAAD/fwAA/38AAAAAAAAJAAAABAAAAF8AYAAeAAAAaAAAAAAAAAAAAAAAAAAAAAAAAAAAAAAAECcAABAnAAAAAAAAAAAAAAAAAAAAAAAAAAAAAAAAAAAAAAAAAAAAABQAAAAAAAAAwMD/AAAAAABkAAAAMgAAAAAAAABkAAAAAAAAAH9/fwAKAAAAIgAAABgAAAAAAAAAAAAAAAAAAAAAAAAAAAAAAAAAAAAkAAAAJAAAAAAAAAAHAAAAAAAAAAAAAAAAAAAAAAAAAAAAAAAAAAAAf39/ACUAAABYAAAAAAAAAAAAAAAAAAAAAAAAAAAAAAAAAAAAAAAAAAAAAAAAAAAAAAAAAAAAAAA/AAAAAAAAAKCGAQAAAAAAAAAAAAAAAAAMAAAAAQAAAAAAAAAAAAAAAAAAAB8AAABUAAAAAAAABQAAAAEAAAAAAAAAAAAAAAAAAAAAAAAAAAAAAAAAAAAAAAAAAAAAAAJ/f38AAAAAA8zMzADAwP8Af39/AAAAAAAAAAAAAAAAAAAAAAAAAAAAIQAAABgAAAAUAAAAwAMAANgJAABARwAAsCUAAAAAAAAmAAAACAAAAAEAAAAAAAAA"/>
               </a:ext>
             </a:extLst>
           </p:cNvSpPr>
@@ -4538,7 +4509,6 @@
           <a:bodyPr/>
           <a:lstStyle/>
           <a:p>
-            <a:pPr/>
             <a:r>
               <a:t>DAG (Directed Acyclic Graph) of operations</a:t>
             </a:r>
@@ -4557,9 +4527,10 @@
           </a:p>
           <a:p>
             <a:pPr lvl="1"/>
-          </a:p>
-          <a:p>
-            <a:pPr/>
+            <a:endParaRPr/>
+          </a:p>
+          <a:p>
+            <a:endParaRPr/>
           </a:p>
         </p:txBody>
       </p:sp>
@@ -4579,7 +4550,7 @@
 </file>
 
 <file path=ppt/slides/slide7.xml><?xml version="1.0" encoding="utf-8"?>
-<p:sld xmlns:p="http://schemas.openxmlformats.org/presentationml/2006/main" xmlns:mc="http://schemas.openxmlformats.org/markup-compatibility/2006" xmlns:p14="http://schemas.microsoft.com/office/powerpoint/2010/main" xmlns:p15="http://schemas.microsoft.com/office/powerpoint/2012/main" xmlns:r="http://schemas.openxmlformats.org/officeDocument/2006/relationships" xmlns:a="http://schemas.openxmlformats.org/drawingml/2006/main" mc:Ignorable="p14">
+<p:sld xmlns:a="http://schemas.openxmlformats.org/drawingml/2006/main" xmlns:r="http://schemas.openxmlformats.org/officeDocument/2006/relationships" xmlns:p="http://schemas.openxmlformats.org/presentationml/2006/main">
   <p:cSld>
     <p:spTree>
       <p:nvGrpSpPr>
@@ -4602,7 +4573,7 @@
             <a:spLocks noGrp="1" noChangeArrowheads="1"/>
             <a:extLst>
               <a:ext uri="smNativeData">
-                <pr:smNativeData xmlns:pr="smNativeData" xmlns="smNativeData" val="SMDATA_15_wwJCaRMAAAAlAAAAZAAAAA8BAAAAkAAAAEgAAACQAAAASAAAAAAAAAABAAAAAAAAAAEAAABQAAAAAAAAAAAA4D8AAAAAAADgPwAAAAAAAOA/AAAAAAAA4D8AAAAAAADgPwAAAAAAAOA/AAAAAAAA4D8AAAAAAADgPwAAAAAAAOA/AAAAAAAA4D8CAAAAjAAAAAAAAAAAAAAAu+DjDP///wgAAAAAAAAAAAAAAAAAAAAAAAAAAAAAAAAAAAAAZAAAAAEAAABAAAAAAAAAAAAAAAAAAAAAAAAAAAAAAAAAAAAAAAAAAAAAAAAAAAAAAAAAAAAAAAAAAAAAAAAAAAAAAAAAAAAAAAAAAAAAAAAAAAAAAAAAAAAAAAAAAAAAFAAAADwAAAAAAAAAAAAAAAAAAAkUAAAAAQAAABQAAAAUAAAAFAAAAAEAAAAAAAAAZAAAAGQAAAAAAAAAZAAAAGQAAAAVAAAAYAAAAAAAAAAAAAAADwAAACADAAAAAAAAAAAAAAEAAACgMgAAVgcAAKr4//8BAAAAf39/AAEAAABkAAAAAAAAABQAAABAHwAAAAAAACYAAAAAAAAAwOD//wAAAAAmAAAAZAAAABYAAABMAAAAAAAAAAAAAAAEAAAAAAAAAAEAAACAgIAKAAAAACgAAAAoAAAAZAAAAGQAAAAAAAAAzMzMAAAAAABQAAAAUAAAAGQAAABkAAAAAAAAABcAAAAUAAAAAAAAAAAAAAD/fwAA/38AAAAAAAAJAAAABAAAAF8AYAAeAAAAaAAAAAAAAAAAAAAAAAAAAAAAAAAAAAAAECcAABAnAAAAAAAAAAAAAAAAAAAAAAAAAAAAAAAAAAAAAAAAAAAAABQAAAAAAAAAwMD/AAAAAABkAAAAMgAAAAAAAABkAAAAAAAAAH9/fwAKAAAAIgAAABgAAAAAAAAAAAAAAAAAAAAAAAAAAAAAAAAAAAAkAAAAJAAAAAAAAAAHAAAAAAAAAAAAAAAAAAAAAAAAAAAAAAAAAAAAf39/ACUAAABYAAAAAAAAAAAAAAAAAAAAAAAAAAAAAAAAAAAAAAAAAAAAAAAAAAAAAAAAAAAAAAA/AAAAAAAAAKCGAQAAAAAAAAAAAAAAAAAMAAAAAQAAAAAAAAAAAAAAAAAAAB8AAABUAAAAAAAABQAAAAEAAAAAAAAAAAAAAAAAAAAAAAAAAAAAAAAAAAAAAAAAAAAAAAJ/f38AAAAAA8zMzADAwP8Af39/AAAAAAAAAAAAAAAAAAAAAAAAAAAAIQAAABgAAAAUAAAAwAMAALABAABARwAAuAgAAAAAAAAmAAAACAAAAAEAAAAAAAAA"/>
+                <pr:smNativeData xmlns="smNativeData" xmlns:pr="smNativeData" xmlns:p15="http://schemas.microsoft.com/office/powerpoint/2012/main" xmlns:p14="http://schemas.microsoft.com/office/powerpoint/2010/main" xmlns:mc="http://schemas.openxmlformats.org/markup-compatibility/2006" val="SMDATA_15_wwJCaRMAAAAlAAAAZAAAAA8BAAAAkAAAAEgAAACQAAAASAAAAAAAAAABAAAAAAAAAAEAAABQAAAAAAAAAAAA4D8AAAAAAADgPwAAAAAAAOA/AAAAAAAA4D8AAAAAAADgPwAAAAAAAOA/AAAAAAAA4D8AAAAAAADgPwAAAAAAAOA/AAAAAAAA4D8CAAAAjAAAAAAAAAAAAAAAu+DjDP///wgAAAAAAAAAAAAAAAAAAAAAAAAAAAAAAAAAAAAAZAAAAAEAAABAAAAAAAAAAAAAAAAAAAAAAAAAAAAAAAAAAAAAAAAAAAAAAAAAAAAAAAAAAAAAAAAAAAAAAAAAAAAAAAAAAAAAAAAAAAAAAAAAAAAAAAAAAAAAAAAAAAAAFAAAADwAAAAAAAAAAAAAAAAAAAkUAAAAAQAAABQAAAAUAAAAFAAAAAEAAAAAAAAAZAAAAGQAAAAAAAAAZAAAAGQAAAAVAAAAYAAAAAAAAAAAAAAADwAAACADAAAAAAAAAAAAAAEAAACgMgAAVgcAAKr4//8BAAAAf39/AAEAAABkAAAAAAAAABQAAABAHwAAAAAAACYAAAAAAAAAwOD//wAAAAAmAAAAZAAAABYAAABMAAAAAAAAAAAAAAAEAAAAAAAAAAEAAACAgIAKAAAAACgAAAAoAAAAZAAAAGQAAAAAAAAAzMzMAAAAAABQAAAAUAAAAGQAAABkAAAAAAAAABcAAAAUAAAAAAAAAAAAAAD/fwAA/38AAAAAAAAJAAAABAAAAF8AYAAeAAAAaAAAAAAAAAAAAAAAAAAAAAAAAAAAAAAAECcAABAnAAAAAAAAAAAAAAAAAAAAAAAAAAAAAAAAAAAAAAAAAAAAABQAAAAAAAAAwMD/AAAAAABkAAAAMgAAAAAAAABkAAAAAAAAAH9/fwAKAAAAIgAAABgAAAAAAAAAAAAAAAAAAAAAAAAAAAAAAAAAAAAkAAAAJAAAAAAAAAAHAAAAAAAAAAAAAAAAAAAAAAAAAAAAAAAAAAAAf39/ACUAAABYAAAAAAAAAAAAAAAAAAAAAAAAAAAAAAAAAAAAAAAAAAAAAAAAAAAAAAAAAAAAAAA/AAAAAAAAAKCGAQAAAAAAAAAAAAAAAAAMAAAAAQAAAAAAAAAAAAAAAAAAAB8AAABUAAAAAAAABQAAAAEAAAAAAAAAAAAAAAAAAAAAAAAAAAAAAAAAAAAAAAAAAAAAAAJ/f38AAAAAA8zMzADAwP8Af39/AAAAAAAAAAAAAAAAAAAAAAAAAAAAIQAAABgAAAAUAAAAwAMAALABAABARwAAuAgAAAAAAAAmAAAACAAAAAEAAAAAAAAA"/>
               </a:ext>
             </a:extLst>
           </p:cNvSpPr>
@@ -4620,7 +4591,6 @@
           <a:bodyPr/>
           <a:lstStyle/>
           <a:p>
-            <a:pPr/>
             <a:r>
               <a:t>Inherit from nn.Module to create Neural Net</a:t>
             </a:r>
@@ -4634,7 +4604,7 @@
             <a:spLocks noGrp="1" noChangeArrowheads="1"/>
             <a:extLst>
               <a:ext uri="smNativeData">
-                <pr:smNativeData xmlns:pr="smNativeData" xmlns="smNativeData" val="SMDATA_15_wwJCaRMAAAAlAAAAZAAAAA8BAAAAkAAAAEgAAACQAAAASAAAAAAAAAAAAAAAAAAAAAEAAABQAAAAAAAAAAAA4D8AAAAAAADgPwAAAAAAAOA/AAAAAAAA4D8AAAAAAADgPwAAAAAAAOA/AAAAAAAA4D8AAAAAAADgPwAAAAAAAOA/AAAAAAAA4D8CAAAAjAAAAAAAAAAAAAAAu+DjDP///wgAAAAAAAAAAAAAAAAAAAAAAAAAAAAAAAAAAAAAZAAAAAEAAABAAAAAAAAAAAAAAAAAAAAAAAAAAAAAAAAAAAAAAAAAAAAAAAAAAAAAAAAAAAAAAAAAAAAAAAAAAAAAAAAAAAAAAAAAAAAAAAAAAAAAAAAAAAAAAAAAAAAAFAAAADwAAAAAAAAAAAAAAAAAAAkUAAAAAQAAABQAAAAUAAAAFAAAAAEAAAAAAAAAZAAAAGQAAAAAAAAAZAAAAGQAAAAVAAAAYAAAAAAAAAAAAAAADwAAACADAAAAAAAAAAAAAAEAAACgMgAAVgcAAKr4//8BAAAAf39/AAEAAABkAAAAAAAAABQAAABAHwAAAAAAACYAAAAAAAAAwOD//wAAAAAmAAAAZAAAABYAAABMAAAAAAAAAAAAAAAEAAAAAAAAAAEAAACAgIAKAAAAACgAAAAoAAAAZAAAAGQAAAAAAAAAzMzMAAAAAABQAAAAUAAAAGQAAABkAAAAAAAAABcAAAAUAAAAAAAAAAAAAAD/fwAA/38AAAAAAAAJAAAABAAAAF8AYAAeAAAAaAAAAAAAAAAAAAAAAAAAAAAAAAAAAAAAECcAABAnAAAAAAAAAAAAAAAAAAAAAAAAAAAAAAAAAAAAAAAAAAAAABQAAAAAAAAAwMD/AAAAAABkAAAAMgAAAAAAAABkAAAAAAAAAH9/fwAKAAAAIgAAABgAAAAAAAAAAAAAAAAAAAAAAAAAAAAAAAAAAAAkAAAAJAAAAAAAAAAHAAAAAAAAAAAAAAAAAAAAAAAAAAAAAAAAAAAAf39/ACUAAABYAAAAAAAAAAAAAAAAAAAAAAAAAAAAAAAAAAAAAAAAAAAAAAAAAAAAAAAAAAAAAAA/AAAAAAAAAKCGAQAAAAAAAAAAAAAAAAAMAAAAAQAAAAAAAAAAAAAAAAAAAB8AAABUAAAAAAAABQAAAAEAAAAAAAAAAAAAAAAAAAAAAAAAAAAAAAAAAAAAAAAAAAAAAAJ/f38AAAAAA8zMzADAwP8Af39/AAAAAAAAAAAAAAAAAAAAAAAAAAAAIQAAABgAAAAUAAAAwAMAANgJAABARwAAsCUAAAAAAAAmAAAACAAAAAEAAAAAAAAA"/>
+                <pr:smNativeData xmlns="smNativeData" xmlns:pr="smNativeData" xmlns:p15="http://schemas.microsoft.com/office/powerpoint/2012/main" xmlns:p14="http://schemas.microsoft.com/office/powerpoint/2010/main" xmlns:mc="http://schemas.openxmlformats.org/markup-compatibility/2006" val="SMDATA_15_wwJCaRMAAAAlAAAAZAAAAA8BAAAAkAAAAEgAAACQAAAASAAAAAAAAAAAAAAAAAAAAAEAAABQAAAAAAAAAAAA4D8AAAAAAADgPwAAAAAAAOA/AAAAAAAA4D8AAAAAAADgPwAAAAAAAOA/AAAAAAAA4D8AAAAAAADgPwAAAAAAAOA/AAAAAAAA4D8CAAAAjAAAAAAAAAAAAAAAu+DjDP///wgAAAAAAAAAAAAAAAAAAAAAAAAAAAAAAAAAAAAAZAAAAAEAAABAAAAAAAAAAAAAAAAAAAAAAAAAAAAAAAAAAAAAAAAAAAAAAAAAAAAAAAAAAAAAAAAAAAAAAAAAAAAAAAAAAAAAAAAAAAAAAAAAAAAAAAAAAAAAAAAAAAAAFAAAADwAAAAAAAAAAAAAAAAAAAkUAAAAAQAAABQAAAAUAAAAFAAAAAEAAAAAAAAAZAAAAGQAAAAAAAAAZAAAAGQAAAAVAAAAYAAAAAAAAAAAAAAADwAAACADAAAAAAAAAAAAAAEAAACgMgAAVgcAAKr4//8BAAAAf39/AAEAAABkAAAAAAAAABQAAABAHwAAAAAAACYAAAAAAAAAwOD//wAAAAAmAAAAZAAAABYAAABMAAAAAAAAAAAAAAAEAAAAAAAAAAEAAACAgIAKAAAAACgAAAAoAAAAZAAAAGQAAAAAAAAAzMzMAAAAAABQAAAAUAAAAGQAAABkAAAAAAAAABcAAAAUAAAAAAAAAAAAAAD/fwAA/38AAAAAAAAJAAAABAAAAF8AYAAeAAAAaAAAAAAAAAAAAAAAAAAAAAAAAAAAAAAAECcAABAnAAAAAAAAAAAAAAAAAAAAAAAAAAAAAAAAAAAAAAAAAAAAABQAAAAAAAAAwMD/AAAAAABkAAAAMgAAAAAAAABkAAAAAAAAAH9/fwAKAAAAIgAAABgAAAAAAAAAAAAAAAAAAAAAAAAAAAAAAAAAAAAkAAAAJAAAAAAAAAAHAAAAAAAAAAAAAAAAAAAAAAAAAAAAAAAAAAAAf39/ACUAAABYAAAAAAAAAAAAAAAAAAAAAAAAAAAAAAAAAAAAAAAAAAAAAAAAAAAAAAAAAAAAAAA/AAAAAAAAAKCGAQAAAAAAAAAAAAAAAAAMAAAAAQAAAAAAAAAAAAAAAAAAAB8AAABUAAAAAAAABQAAAAEAAAAAAAAAAAAAAAAAAAAAAAAAAAAAAAAAAAAAAAAAAAAAAAJ/f38AAAAAA8zMzADAwP8Af39/AAAAAAAAAAAAAAAAAAAAAAAAAAAAIQAAABgAAAAUAAAAwAMAANgJAABARwAAsCUAAAAAAAAmAAAACAAAAAEAAAAAAAAA"/>
               </a:ext>
             </a:extLst>
           </p:cNvSpPr>
@@ -4652,7 +4622,6 @@
           <a:bodyPr/>
           <a:lstStyle/>
           <a:p>
-            <a:pPr/>
             <a:r>
               <a:t>class MyNet(nn.Module):</a:t>
             </a:r>
@@ -4725,9 +4694,10 @@
           </a:p>
           <a:p>
             <a:pPr lvl="2"/>
-          </a:p>
-          <a:p>
-            <a:pPr/>
+            <a:endParaRPr/>
+          </a:p>
+          <a:p>
+            <a:endParaRPr/>
           </a:p>
         </p:txBody>
       </p:sp>
@@ -4743,6 +4713,421 @@
       </p:par>
     </p:tnLst>
   </p:timing>
+</p:sld>
+</file>
+
+<file path=ppt/slides/slide8.xml><?xml version="1.0" encoding="utf-8"?>
+<p:sld xmlns:a="http://schemas.openxmlformats.org/drawingml/2006/main" xmlns:r="http://schemas.openxmlformats.org/officeDocument/2006/relationships" xmlns:p="http://schemas.openxmlformats.org/presentationml/2006/main">
+  <p:cSld>
+    <p:spTree>
+      <p:nvGrpSpPr>
+        <p:cNvPr id="1" name=""/>
+        <p:cNvGrpSpPr/>
+        <p:nvPr/>
+      </p:nvGrpSpPr>
+      <p:grpSpPr>
+        <a:xfrm>
+          <a:off x="0" y="0"/>
+          <a:ext cx="0" cy="0"/>
+          <a:chOff x="0" y="0"/>
+          <a:chExt cx="0" cy="0"/>
+        </a:xfrm>
+      </p:grpSpPr>
+      <p:sp>
+        <p:nvSpPr>
+          <p:cNvPr id="2" name="Title 1"/>
+          <p:cNvSpPr>
+            <a:spLocks noGrp="1"/>
+          </p:cNvSpPr>
+          <p:nvPr>
+            <p:ph type="title"/>
+          </p:nvPr>
+        </p:nvSpPr>
+        <p:spPr/>
+        <p:txBody>
+          <a:bodyPr/>
+          <a:lstStyle/>
+          <a:p>
+            <a:r>
+              <a:rPr lang="en-US" dirty="0" err="1" smtClean="0"/>
+              <a:t>TorchVision</a:t>
+            </a:r>
+            <a:endParaRPr lang="en-US" dirty="0"/>
+          </a:p>
+        </p:txBody>
+      </p:sp>
+      <p:sp>
+        <p:nvSpPr>
+          <p:cNvPr id="3" name="Content Placeholder 2"/>
+          <p:cNvSpPr>
+            <a:spLocks noGrp="1"/>
+          </p:cNvSpPr>
+          <p:nvPr>
+            <p:ph idx="1"/>
+          </p:nvPr>
+        </p:nvSpPr>
+        <p:spPr>
+          <a:xfrm>
+            <a:off x="609600" y="1600200"/>
+            <a:ext cx="10972800" cy="1398270"/>
+          </a:xfrm>
+        </p:spPr>
+        <p:txBody>
+          <a:bodyPr/>
+          <a:lstStyle/>
+          <a:p>
+            <a:r>
+              <a:rPr lang="en-US" dirty="0" smtClean="0"/>
+              <a:t>Transforms / datasets / models for computer vision</a:t>
+            </a:r>
+          </a:p>
+          <a:p>
+            <a:r>
+              <a:rPr lang="en-US" dirty="0" smtClean="0"/>
+              <a:t>Models such as:</a:t>
+            </a:r>
+          </a:p>
+          <a:p>
+            <a:pPr lvl="1"/>
+            <a:r>
+              <a:rPr lang="en-US" dirty="0" smtClean="0"/>
+              <a:t>resnet18: convolutional NN that is 18 layers deep</a:t>
+            </a:r>
+          </a:p>
+          <a:p>
+            <a:pPr lvl="1"/>
+            <a:r>
+              <a:rPr lang="en-US" dirty="0" smtClean="0"/>
+              <a:t>resnet50</a:t>
+            </a:r>
+          </a:p>
+          <a:p>
+            <a:pPr lvl="1"/>
+            <a:r>
+              <a:rPr lang="en-US" dirty="0" err="1" smtClean="0"/>
+              <a:t>EfficientNet</a:t>
+            </a:r>
+            <a:endParaRPr lang="en-US" dirty="0" smtClean="0"/>
+          </a:p>
+          <a:p>
+            <a:pPr lvl="1"/>
+            <a:r>
+              <a:rPr lang="en-US" dirty="0" err="1" smtClean="0"/>
+              <a:t>Swin</a:t>
+            </a:r>
+            <a:r>
+              <a:rPr lang="en-US" dirty="0" smtClean="0"/>
+              <a:t> Transformers</a:t>
+            </a:r>
+          </a:p>
+          <a:p>
+            <a:pPr lvl="1"/>
+            <a:endParaRPr lang="en-US" dirty="0" smtClean="0"/>
+          </a:p>
+          <a:p>
+            <a:pPr marL="0" indent="0">
+              <a:buNone/>
+            </a:pPr>
+            <a:endParaRPr lang="en-US" dirty="0" smtClean="0"/>
+          </a:p>
+          <a:p>
+            <a:pPr marL="0" indent="0">
+              <a:buNone/>
+            </a:pPr>
+            <a:endParaRPr lang="en-US" dirty="0"/>
+          </a:p>
+        </p:txBody>
+      </p:sp>
+      <p:sp>
+        <p:nvSpPr>
+          <p:cNvPr id="4" name="Date Placeholder 3"/>
+          <p:cNvSpPr>
+            <a:spLocks noGrp="1"/>
+          </p:cNvSpPr>
+          <p:nvPr>
+            <p:ph type="dt" sz="quarter" idx="10"/>
+          </p:nvPr>
+        </p:nvSpPr>
+        <p:spPr/>
+        <p:txBody>
+          <a:bodyPr/>
+          <a:lstStyle/>
+          <a:p>
+            <a:fld id="{2B3A5CD1-9FC6-6FAA-8882-69FF12CC7E3C}" type="datetime1">
+              <a:rPr lang="en-US" smtClean="0"/>
+              <a:t>12/16/2025</a:t>
+            </a:fld>
+            <a:endParaRPr lang="en-US"/>
+          </a:p>
+        </p:txBody>
+      </p:sp>
+      <p:sp>
+        <p:nvSpPr>
+          <p:cNvPr id="5" name="Slide Number Placeholder 4"/>
+          <p:cNvSpPr>
+            <a:spLocks noGrp="1"/>
+          </p:cNvSpPr>
+          <p:nvPr>
+            <p:ph type="sldNum" sz="quarter" idx="12"/>
+          </p:nvPr>
+        </p:nvSpPr>
+        <p:spPr/>
+        <p:txBody>
+          <a:bodyPr/>
+          <a:lstStyle/>
+          <a:p>
+            <a:fld id="{2B3A0E09-47C6-6FF8-8882-B1AD40CC7EE4}" type="slidenum">
+              <a:rPr lang="en-US" smtClean="0"/>
+              <a:t>8</a:t>
+            </a:fld>
+            <a:endParaRPr lang="en-US"/>
+          </a:p>
+        </p:txBody>
+      </p:sp>
+      <p:sp>
+        <p:nvSpPr>
+          <p:cNvPr id="6" name="TextBox 5"/>
+          <p:cNvSpPr txBox="1"/>
+          <p:nvPr/>
+        </p:nvSpPr>
+        <p:spPr>
+          <a:xfrm>
+            <a:off x="786130" y="4433570"/>
+            <a:ext cx="5137047" cy="1754326"/>
+          </a:xfrm>
+          <a:prstGeom prst="rect">
+            <a:avLst/>
+          </a:prstGeom>
+          <a:noFill/>
+        </p:spPr>
+        <p:txBody>
+          <a:bodyPr wrap="none" rtlCol="0">
+            <a:spAutoFit/>
+          </a:bodyPr>
+          <a:lstStyle/>
+          <a:p>
+            <a:r>
+              <a:rPr lang="en-US" dirty="0"/>
+              <a:t>transform = </a:t>
+            </a:r>
+            <a:r>
+              <a:rPr lang="en-US" dirty="0" err="1"/>
+              <a:t>transforms.Compose</a:t>
+            </a:r>
+            <a:r>
+              <a:rPr lang="en-US" dirty="0"/>
+              <a:t>([</a:t>
+            </a:r>
+          </a:p>
+          <a:p>
+            <a:r>
+              <a:rPr lang="en-US" dirty="0"/>
+              <a:t>    </a:t>
+            </a:r>
+            <a:r>
+              <a:rPr lang="en-US" dirty="0" err="1"/>
+              <a:t>transforms.Resize</a:t>
+            </a:r>
+            <a:r>
+              <a:rPr lang="en-US" dirty="0"/>
+              <a:t>((</a:t>
+            </a:r>
+            <a:r>
+              <a:rPr lang="en-US" dirty="0" err="1"/>
+              <a:t>img_size</a:t>
+            </a:r>
+            <a:r>
+              <a:rPr lang="en-US" dirty="0"/>
+              <a:t>, </a:t>
+            </a:r>
+            <a:r>
+              <a:rPr lang="en-US" dirty="0" err="1"/>
+              <a:t>img_size</a:t>
+            </a:r>
+            <a:r>
+              <a:rPr lang="en-US" dirty="0"/>
+              <a:t>)),</a:t>
+            </a:r>
+          </a:p>
+          <a:p>
+            <a:r>
+              <a:rPr lang="en-US" dirty="0"/>
+              <a:t>    </a:t>
+            </a:r>
+            <a:r>
+              <a:rPr lang="en-US" dirty="0" err="1"/>
+              <a:t>transforms.ToTensor</a:t>
+            </a:r>
+            <a:r>
+              <a:rPr lang="en-US" dirty="0"/>
+              <a:t>(),</a:t>
+            </a:r>
+          </a:p>
+          <a:p>
+            <a:r>
+              <a:rPr lang="en-US" dirty="0"/>
+              <a:t>    </a:t>
+            </a:r>
+            <a:r>
+              <a:rPr lang="en-US" dirty="0" err="1"/>
+              <a:t>transforms.Normalize</a:t>
+            </a:r>
+            <a:r>
+              <a:rPr lang="en-US" dirty="0"/>
+              <a:t>(mean=[0.485, 0.456, 0.406],</a:t>
+            </a:r>
+          </a:p>
+          <a:p>
+            <a:r>
+              <a:rPr lang="en-US" dirty="0"/>
+              <a:t>                         </a:t>
+            </a:r>
+            <a:r>
+              <a:rPr lang="en-US" dirty="0" err="1"/>
+              <a:t>std</a:t>
+            </a:r>
+            <a:r>
+              <a:rPr lang="en-US" dirty="0"/>
+              <a:t>=[0.229, 0.224, 0.225]),</a:t>
+            </a:r>
+          </a:p>
+          <a:p>
+            <a:r>
+              <a:rPr lang="en-US" dirty="0"/>
+              <a:t>])</a:t>
+            </a:r>
+            <a:endParaRPr lang="en-US" dirty="0"/>
+          </a:p>
+        </p:txBody>
+      </p:sp>
+    </p:spTree>
+    <p:extLst>
+      <p:ext uri="{BB962C8B-B14F-4D97-AF65-F5344CB8AC3E}">
+        <p14:creationId xmlns:p14="http://schemas.microsoft.com/office/powerpoint/2010/main" val="3814930876"/>
+      </p:ext>
+    </p:extLst>
+  </p:cSld>
+  <p:clrMapOvr>
+    <a:masterClrMapping/>
+  </p:clrMapOvr>
+</p:sld>
+</file>
+
+<file path=ppt/slides/slide9.xml><?xml version="1.0" encoding="utf-8"?>
+<p:sld xmlns:a="http://schemas.openxmlformats.org/drawingml/2006/main" xmlns:r="http://schemas.openxmlformats.org/officeDocument/2006/relationships" xmlns:p="http://schemas.openxmlformats.org/presentationml/2006/main">
+  <p:cSld>
+    <p:spTree>
+      <p:nvGrpSpPr>
+        <p:cNvPr id="1" name=""/>
+        <p:cNvGrpSpPr/>
+        <p:nvPr/>
+      </p:nvGrpSpPr>
+      <p:grpSpPr>
+        <a:xfrm>
+          <a:off x="0" y="0"/>
+          <a:ext cx="0" cy="0"/>
+          <a:chOff x="0" y="0"/>
+          <a:chExt cx="0" cy="0"/>
+        </a:xfrm>
+      </p:grpSpPr>
+      <p:sp>
+        <p:nvSpPr>
+          <p:cNvPr id="2" name="Title 1"/>
+          <p:cNvSpPr>
+            <a:spLocks noGrp="1"/>
+          </p:cNvSpPr>
+          <p:nvPr>
+            <p:ph type="title"/>
+          </p:nvPr>
+        </p:nvSpPr>
+        <p:spPr/>
+        <p:txBody>
+          <a:bodyPr/>
+          <a:lstStyle/>
+          <a:p>
+            <a:r>
+              <a:rPr lang="en-US" dirty="0" err="1" smtClean="0"/>
+              <a:t>TorchAudio</a:t>
+            </a:r>
+            <a:endParaRPr lang="en-US" dirty="0"/>
+          </a:p>
+        </p:txBody>
+      </p:sp>
+      <p:sp>
+        <p:nvSpPr>
+          <p:cNvPr id="3" name="Content Placeholder 2"/>
+          <p:cNvSpPr>
+            <a:spLocks noGrp="1"/>
+          </p:cNvSpPr>
+          <p:nvPr>
+            <p:ph idx="1"/>
+          </p:nvPr>
+        </p:nvSpPr>
+        <p:spPr/>
+        <p:txBody>
+          <a:bodyPr/>
+          <a:lstStyle/>
+          <a:p>
+            <a:endParaRPr lang="en-US" dirty="0"/>
+          </a:p>
+        </p:txBody>
+      </p:sp>
+      <p:sp>
+        <p:nvSpPr>
+          <p:cNvPr id="4" name="Date Placeholder 3"/>
+          <p:cNvSpPr>
+            <a:spLocks noGrp="1"/>
+          </p:cNvSpPr>
+          <p:nvPr>
+            <p:ph type="dt" sz="quarter" idx="10"/>
+          </p:nvPr>
+        </p:nvSpPr>
+        <p:spPr/>
+        <p:txBody>
+          <a:bodyPr/>
+          <a:lstStyle/>
+          <a:p>
+            <a:fld id="{2B3A5CD1-9FC6-6FAA-8882-69FF12CC7E3C}" type="datetime1">
+              <a:rPr lang="en-US" smtClean="0"/>
+              <a:t>12/16/2025</a:t>
+            </a:fld>
+            <a:endParaRPr lang="en-US"/>
+          </a:p>
+        </p:txBody>
+      </p:sp>
+      <p:sp>
+        <p:nvSpPr>
+          <p:cNvPr id="5" name="Slide Number Placeholder 4"/>
+          <p:cNvSpPr>
+            <a:spLocks noGrp="1"/>
+          </p:cNvSpPr>
+          <p:nvPr>
+            <p:ph type="sldNum" sz="quarter" idx="12"/>
+          </p:nvPr>
+        </p:nvSpPr>
+        <p:spPr/>
+        <p:txBody>
+          <a:bodyPr/>
+          <a:lstStyle/>
+          <a:p>
+            <a:fld id="{2B3A0E09-47C6-6FF8-8882-B1AD40CC7EE4}" type="slidenum">
+              <a:rPr lang="en-US" smtClean="0"/>
+              <a:t>9</a:t>
+            </a:fld>
+            <a:endParaRPr lang="en-US"/>
+          </a:p>
+        </p:txBody>
+      </p:sp>
+    </p:spTree>
+    <p:extLst>
+      <p:ext uri="{BB962C8B-B14F-4D97-AF65-F5344CB8AC3E}">
+        <p14:creationId xmlns:p14="http://schemas.microsoft.com/office/powerpoint/2010/main" val="692625499"/>
+      </p:ext>
+    </p:extLst>
+  </p:cSld>
+  <p:clrMapOvr>
+    <a:masterClrMapping/>
+  </p:clrMapOvr>
 </p:sld>
 </file>
 

--- a/AI/AI PyTorch.pptx
+++ b/AI/AI PyTorch.pptx
@@ -1,19 +1,22 @@
 
 <file path=ppt/presentation.xml><?xml version="1.0" encoding="utf-8"?>
-<p:presentation xmlns:a="http://schemas.openxmlformats.org/drawingml/2006/main" xmlns:r="http://schemas.openxmlformats.org/officeDocument/2006/relationships" xmlns:p="http://schemas.openxmlformats.org/presentationml/2006/main">
+<p:presentation xmlns:p="http://schemas.openxmlformats.org/presentationml/2006/main" xmlns:mc="http://schemas.openxmlformats.org/markup-compatibility/2006" xmlns:p14="http://schemas.microsoft.com/office/powerpoint/2010/main" xmlns:p15="http://schemas.microsoft.com/office/powerpoint/2012/main" xmlns:r="http://schemas.openxmlformats.org/officeDocument/2006/relationships" xmlns:a="http://schemas.openxmlformats.org/drawingml/2006/main">
   <p:sldMasterIdLst>
-    <p:sldMasterId id="2147483648" r:id="rId1"/>
+    <p:sldMasterId id="2147483648" r:id="rId5"/>
   </p:sldMasterIdLst>
   <p:sldIdLst>
-    <p:sldId id="256" r:id="rId2"/>
-    <p:sldId id="259" r:id="rId3"/>
-    <p:sldId id="261" r:id="rId4"/>
-    <p:sldId id="260" r:id="rId5"/>
-    <p:sldId id="258" r:id="rId6"/>
-    <p:sldId id="262" r:id="rId7"/>
-    <p:sldId id="263" r:id="rId8"/>
-    <p:sldId id="264" r:id="rId9"/>
-    <p:sldId id="265" r:id="rId10"/>
+    <p:sldId id="256" r:id="rId6"/>
+    <p:sldId id="259" r:id="rId7"/>
+    <p:sldId id="261" r:id="rId8"/>
+    <p:sldId id="260" r:id="rId9"/>
+    <p:sldId id="258" r:id="rId10"/>
+    <p:sldId id="262" r:id="rId11"/>
+    <p:sldId id="263" r:id="rId12"/>
+    <p:sldId id="264" r:id="rId13"/>
+    <p:sldId id="265" r:id="rId14"/>
+    <p:sldId id="266" r:id="rId15"/>
+    <p:sldId id="267" r:id="rId16"/>
+    <p:sldId id="268" r:id="rId17"/>
   </p:sldIdLst>
   <p:sldSz cx="12192000" cy="6858000"/>
   <p:notesSz cx="6858000" cy="12192000"/>
@@ -36,7 +39,7 @@
         </a:solidFill>
         <a:effectLst/>
         <a:latin typeface="Calibri" pitchFamily="2" charset="0"/>
-        <a:ea typeface="SimSun" charset="0"/>
+        <a:ea typeface="SimSun" pitchFamily="0" charset="0"/>
         <a:cs typeface="Times New Roman" pitchFamily="1" charset="0"/>
       </a:defRPr>
     </a:lvl1pPr>
@@ -58,7 +61,7 @@
         </a:solidFill>
         <a:effectLst/>
         <a:latin typeface="Calibri" pitchFamily="2" charset="0"/>
-        <a:ea typeface="SimSun" charset="0"/>
+        <a:ea typeface="SimSun" pitchFamily="0" charset="0"/>
         <a:cs typeface="Times New Roman" pitchFamily="1" charset="0"/>
       </a:defRPr>
     </a:lvl2pPr>
@@ -80,7 +83,7 @@
         </a:solidFill>
         <a:effectLst/>
         <a:latin typeface="Calibri" pitchFamily="2" charset="0"/>
-        <a:ea typeface="SimSun" charset="0"/>
+        <a:ea typeface="SimSun" pitchFamily="0" charset="0"/>
         <a:cs typeface="Times New Roman" pitchFamily="1" charset="0"/>
       </a:defRPr>
     </a:lvl3pPr>
@@ -102,7 +105,7 @@
         </a:solidFill>
         <a:effectLst/>
         <a:latin typeface="Calibri" pitchFamily="2" charset="0"/>
-        <a:ea typeface="SimSun" charset="0"/>
+        <a:ea typeface="SimSun" pitchFamily="0" charset="0"/>
         <a:cs typeface="Times New Roman" pitchFamily="1" charset="0"/>
       </a:defRPr>
     </a:lvl4pPr>
@@ -124,7 +127,7 @@
         </a:solidFill>
         <a:effectLst/>
         <a:latin typeface="Calibri" pitchFamily="2" charset="0"/>
-        <a:ea typeface="SimSun" charset="0"/>
+        <a:ea typeface="SimSun" pitchFamily="0" charset="0"/>
         <a:cs typeface="Times New Roman" pitchFamily="1" charset="0"/>
       </a:defRPr>
     </a:lvl5pPr>
@@ -146,7 +149,7 @@
         </a:solidFill>
         <a:effectLst/>
         <a:latin typeface="Calibri" pitchFamily="2" charset="0"/>
-        <a:ea typeface="SimSun" charset="0"/>
+        <a:ea typeface="SimSun" pitchFamily="0" charset="0"/>
         <a:cs typeface="Times New Roman" pitchFamily="1" charset="0"/>
       </a:defRPr>
     </a:lvl6pPr>
@@ -168,7 +171,7 @@
         </a:solidFill>
         <a:effectLst/>
         <a:latin typeface="Calibri" pitchFamily="2" charset="0"/>
-        <a:ea typeface="SimSun" charset="0"/>
+        <a:ea typeface="SimSun" pitchFamily="0" charset="0"/>
         <a:cs typeface="Times New Roman" pitchFamily="1" charset="0"/>
       </a:defRPr>
     </a:lvl7pPr>
@@ -190,7 +193,7 @@
         </a:solidFill>
         <a:effectLst/>
         <a:latin typeface="Calibri" pitchFamily="2" charset="0"/>
-        <a:ea typeface="SimSun" charset="0"/>
+        <a:ea typeface="SimSun" pitchFamily="0" charset="0"/>
         <a:cs typeface="Times New Roman" pitchFamily="1" charset="0"/>
       </a:defRPr>
     </a:lvl8pPr>
@@ -212,24 +215,16 @@
         </a:solidFill>
         <a:effectLst/>
         <a:latin typeface="Calibri" pitchFamily="2" charset="0"/>
-        <a:ea typeface="SimSun" charset="0"/>
+        <a:ea typeface="SimSun" pitchFamily="0" charset="0"/>
         <a:cs typeface="Times New Roman" pitchFamily="1" charset="0"/>
       </a:defRPr>
     </a:lvl9pPr>
   </p:defaultTextStyle>
-  <p:extLst>
-    <p:ext uri="{EFAFB233-063F-42B5-8137-9DF3F51BA10A}">
-      <p15:sldGuideLst xmlns:p15="http://schemas.microsoft.com/office/powerpoint/2012/main"/>
-    </p:ext>
-    <p:ext uri="{2D200454-40CA-4A62-9FC3-DE9A4176ACB9}">
-      <p15:notesGuideLst xmlns:p15="http://schemas.microsoft.com/office/powerpoint/2012/main"/>
-    </p:ext>
-  </p:extLst>
 </p:presentation>
 </file>
 
 <file path=ppt/slideLayouts/slideLayout1.xml><?xml version="1.0" encoding="utf-8"?>
-<p:sldLayout xmlns:a="http://schemas.openxmlformats.org/drawingml/2006/main" xmlns:r="http://schemas.openxmlformats.org/officeDocument/2006/relationships" xmlns:p="http://schemas.openxmlformats.org/presentationml/2006/main" type="title">
+<p:sldLayout xmlns:p="http://schemas.openxmlformats.org/presentationml/2006/main" xmlns:mc="http://schemas.openxmlformats.org/markup-compatibility/2006" xmlns:p14="http://schemas.microsoft.com/office/powerpoint/2010/main" xmlns:p15="http://schemas.microsoft.com/office/powerpoint/2012/main" xmlns:r="http://schemas.openxmlformats.org/officeDocument/2006/relationships" xmlns:a="http://schemas.openxmlformats.org/drawingml/2006/main" type="title">
   <p:cSld name="Title slide">
     <p:spTree>
       <p:nvGrpSpPr>
@@ -252,7 +247,7 @@
             <a:spLocks noGrp="1" noChangeArrowheads="1"/>
             <a:extLst>
               <a:ext uri="smNativeData">
-                <pr:smNativeData xmlns="smNativeData" xmlns:pr="smNativeData" xmlns:p15="http://schemas.microsoft.com/office/powerpoint/2012/main" xmlns:p14="http://schemas.microsoft.com/office/powerpoint/2010/main" xmlns:mc="http://schemas.openxmlformats.org/markup-compatibility/2006" val="SMDATA_15_wwJCaRMAAAAlAAAAZAAAAA8BAAAAkAAAAEgAAACQAAAASAAAAAAAAAABAAAAAAAAAAEAAABQAAAAAAAAAAAA4D8AAAAAAADgPwAAAAAAAOA/AAAAAAAA4D8AAAAAAADgPwAAAAAAAOA/AAAAAAAA4D8AAAAAAADgPwAAAAAAAOA/AAAAAAAA4D8CAAAAjAAAAAAAAAAAAAAAu+DjDP///wgAAAAAAAAAAAAAAAAAAAAAAAAAAAAAAAAAAAAAZAAAAAEAAABAAAAAAAAAAAAAAAAAAAAAAAAAAAAAAAAAAAAAAAAAAAAAAAAAAAAAAAAAAAAAAAAAAAAAAAAAAAAAAAAAAAAAAAAAAAAAAAAAAAAAAAAAAAAAAAAAAAAAFAAAADwAAAAAAAAAAAAAAAAAAAkUAAAAAQAAABQAAAAUAAAAFAAAAAEAAAAAAAAAZAAAAGQAAAAAAAAAZAAAAGQAAAAVAAAAYAAAAAAAAAAAAAAADwAAACADAAAAAAAAAAAAAAEAAACgMgAAVgcAAKr4//8BAAAAf39/AAEAAABkAAAAAAAAABQAAABAHwAAAAAAACYAAAAAAAAAwOD//wAAAAAmAAAAZAAAABYAAABMAAAAAAAAAAAAAAAEAAAAAAAAAAEAAACAgIAKAAAAACgAAAAoAAAAZAAAAGQAAAAAAAAAzMzMAAAAAABQAAAAUAAAAGQAAABkAAAAAAAAABcAAAAUAAAAAAAAAAAAAAD/fwAA/38AAAAAAAAJAAAABAAAAAAAAAAeAAAAaAAAAAAAAAAAAAAAAAAAAAAAAAAAAAAAECcAABAnAAAAAAAAAAAAAAAAAAAAAAAAAAAAAAAAAAAAAAAAAAAAABQAAAAAAAAAwMD/AAAAAABkAAAAMgAAAAAAAABkAAAAAAAAAH9/fwAKAAAAIgAAABgAAAAAAAAAAAAAAAAAAAAAAAAAAAAAAAAAAAAkAAAAJAAAAAAAAAAHAAAAAAAAAAAAAAAAAAAAAAAAAAAAAAAAAAAAf39/ACUAAABYAAAAAAAAAAAAAAAAAAAAAAAAAAAAAAAAAAAAAAAAAAAAAAAAAAAAAAAAAAAAAAA/AAAAAAAAAKCGAQAAAAAAAAAAAAAAAAAMAAAAAQAAAAAAAAAAAAAAAAAAAB8AAABUAAAAAAAABQAAAAEAAAAAAAAAAAAAAAAAAAAAAAAAAAAAAAAAAAAAAAAAAAAAAAJ/f38AAAAAA8zMzADAwP8Af39/AAAAAAAAAAAAAAAAAAAAAAAAAAAAIQAAABgAAAAUAAAAoAUAABoNAABgRQAAJhYAABAAAAAmAAAACAAAAAEAAAAAAAAA"/>
+                <pr:smNativeData xmlns:pr="smNativeData" xmlns="smNativeData" val="SMDATA_15_SSBGaRMAAAAlAAAAZAAAAA0AAAAAkAAAAEgAAACQAAAASAAAAAAAAAABAAAAAAAAAAEAAABQAAAAAAAAAAAA4D8AAAAAAADgPwAAAAAAAOA/AAAAAAAA4D8AAAAAAADgPwAAAAAAAOA/AAAAAAAA4D8AAAAAAADgPwAAAAAAAOA/AAAAAAAA4D8CAAAAjAAAAAAAAAAAAAAAu+DjDP///wgAAAAAAAAAAAAAAAAAAAAAAAAAAAAAAAAAAAAAZAAAAAEAAABAAAAAAAAAAAAAAAAAAAAAAAAAAAAAAAAAAAAAAAAAAAAAAAAAAAAAAAAAAAAAAAAAAAAAAAAAAAAAAAAAAAAAAAAAAAAAAAAAAAAAAAAAAAAAAAAAAAAAFAAAADwAAAAAAAAAAAAAAAAAAAkUAAAAAQAAABQAAAAUAAAAFAAAAAEAAAAAAAAAZAAAAGQAAAAAAAAAZAAAAGQAAAAVAAAAYAAAAAAAAAAAAAAADwAAACADAAAAAAAAAAAAAAEAAACgMgAAVgcAAKr4//8BAAAAf39/AAEAAABkAAAAAAAAABQAAABAHwAAAAAAACYAAAAAAAAAwOD//wAAAAAmAAAAZAAAABYAAABMAAAAAAAAAAAAAAAEAAAAAAAAAAEAAACAgIAKAAAAACgAAAAoAAAAZAAAAGQAAAAAAAAAzMzMAAAAAABQAAAAUAAAAGQAAABkAAAAAAAAABcAAAAUAAAAAAAAAAAAAAD/fwAA/38AAAAAAAAJAAAABAAAABxYQAweAAAAaAAAAAAAAAAAAAAAAAAAAAAAAAAAAAAAECcAABAnAAAAAAAAAAAAAAAAAAAAAAAAAAAAAAAAAAAAAAAAAAAAABQAAAAAAAAAwMD/AAAAAABkAAAAMgAAAAAAAABkAAAAAAAAAH9/fwAKAAAAIgAAABgAAAAAAAAAAAAAAAAAAAAAAAAAAAAAAAAAAAAkAAAAJAAAAAAAAAAHAAAAAAAAAAAAAAAAAAAAAAAAAAAAAAAAAAAAf39/ACUAAABYAAAAAAAAAAAAAAAAAAAAAAAAAAAAAAAAAAAAAAAAAAAAAAAAAAAAAAAAAAAAAAA/AAAAAAAAAKCGAQAAAAAAAAAAAAAAAAAMAAAAAQAAAAAAAAAAAAAAAAAAAB8AAABUAAAAAAAABQAAAAEAAAAAAAAAAAAAAAAAAAAAAAAAAAAAAAAAAAAAAAAAAAAAAAJ/f38AAAAAA8zMzADAwP8Af39/AAAAAAAAAAAAAAAAAAAAAAAAAAAAIQAAABgAAAAUAAAAoAUAABoNAABgRQAAJhYAABAAAAAmAAAACAAAAAEAAAAAAAAA"/>
               </a:ext>
             </a:extLst>
           </p:cNvSpPr>
@@ -270,6 +265,7 @@
           <a:bodyPr/>
           <a:lstStyle/>
           <a:p>
+            <a:pPr/>
             <a:r>
               <a:t>Click to edit Master title style</a:t>
             </a:r>
@@ -283,7 +279,7 @@
             <a:spLocks noGrp="1" noChangeArrowheads="1"/>
             <a:extLst>
               <a:ext uri="smNativeData">
-                <pr:smNativeData xmlns="smNativeData" xmlns:pr="smNativeData" xmlns:p15="http://schemas.microsoft.com/office/powerpoint/2012/main" xmlns:p14="http://schemas.microsoft.com/office/powerpoint/2010/main" xmlns:mc="http://schemas.openxmlformats.org/markup-compatibility/2006" val="SMDATA_15_wwJCaRMAAAAlAAAAZAAAAA8BAAAAkAAAAEgAAACQAAAASAAAAAAAAAAAAAAAAAAAAAEAAABQAAAAAAAAAAAA4D8AAAAAAADgPwAAAAAAAOA/AAAAAAAA4D8AAAAAAADgPwAAAAAAAOA/AAAAAAAA4D8AAAAAAADgPwAAAAAAAOA/AAAAAAAA4D8CAAAAjAAAAAAAAAAAAAAAu+DjDP///wgAAAAAAAAAAAAAAAAAAAAAAAAAAAAAAAAAAAAAZAAAAAEAAABAAAAAAAAAAAAAAAAAAAAAAAAAAAAAAAAAAAAAAAAAAAAAAAAAAAAAAAAAAAAAAAAAAAAAAAAAAAAAAAAAAAAAAAAAAAAAAAAAAAAAAAAAAAAAAAAAAAAAFAAAADwAAAAAAAAAAAAAAAAAAAkUAAAAAQAAABQAAAAUAAAAFAAAAAEAAAAAAAAAZAAAAGQAAAAAAAAAZAAAAGQAAAAVAAAAYAAAAAAAAAAAAAAADwAAACADAAAAAAAAAAAAAAEAAACgMgAAVgcAAKr4//8BAAAAf39/AAEAAABkAAAAAAAAABQAAABAHwAAAAAAACYAAAAAAAAAwOD//wAAAAAmAAAAZAAAABYAAABMAAAAAAAAAAAAAAAEAAAAAAAAAAEAAACAgIAKAAAAACgAAAAoAAAAZAAAAGQAAAAAAAAAzMzMAAAAAABQAAAAUAAAAGQAAABkAAAAAAAAABcAAAAUAAAAAAAAAAAAAAD/fwAA/38AAAAAAAAJAAAABAAAAAAAAAAeAAAAaAAAAAAAAAAAAAAAAAAAAAAAAAAAAAAAECcAABAnAAAAAAAAAAAAAAAAAAAAAAAAAAAAAAAAAAAAAAAAAAAAABQAAAAAAAAAwMD/AAAAAABkAAAAMgAAAAAAAABkAAAAAAAAAH9/fwAKAAAAIgAAABgAAAAAAAAAAAAAAAAAAAAAAAAAAAAAAAAAAAAkAAAAJAAAAAAAAAAHAAAAAAAAAAAAAAAAAAAAAAAAAAAAAAAAAAAAf39/ACUAAABYAAAAAAAAAAAAAAAAAAAAAAAAAAAAAAAAAAAAAAAAAAAAAAAAAAAAAAAAAAAAAAA/AAAAAAAAAKCGAQAAAAAAAAAAAAAAAAAMAAAAAQAAAAAAAAAAAAAAAAAAAB8AAABUAAAAAAAABQAAAAEAAAAAAAAAAAAAAAAAAAAAAAAAAAAAAAAAAAAAAAAAAAAAAAJ/f38AAAAAA8zMzADAwP8Af39/AAAAAAAAAAAAAAAAAAAAAAAAAAAAIQAAABgAAAAUAAAAQAsAAOgXAADAPwAAsCIAABAAAAAmAAAACAAAAAGAAAAAAAAA"/>
+                <pr:smNativeData xmlns:pr="smNativeData" xmlns="smNativeData" val="SMDATA_15_SSBGaRMAAAAlAAAAZAAAAA0AAAAAkAAAAEgAAACQAAAASAAAAAAAAAAAAAAAAAAAAAEAAABQAAAAAAAAAAAA4D8AAAAAAADgPwAAAAAAAOA/AAAAAAAA4D8AAAAAAADgPwAAAAAAAOA/AAAAAAAA4D8AAAAAAADgPwAAAAAAAOA/AAAAAAAA4D8CAAAAjAAAAAAAAAAAAAAAu+DjDP///wgAAAAAAAAAAAAAAAAAAAAAAAAAAAAAAAAAAAAAZAAAAAEAAABAAAAAAAAAAAAAAAAAAAAAAAAAAAAAAAAAAAAAAAAAAAAAAAAAAAAAAAAAAAAAAAAAAAAAAAAAAAAAAAAAAAAAAAAAAAAAAAAAAAAAAAAAAAAAAAAAAAAAFAAAADwAAAAAAAAAAAAAAAAAAAkUAAAAAQAAABQAAAAUAAAAFAAAAAEAAAAAAAAAZAAAAGQAAAAAAAAAZAAAAGQAAAAVAAAAYAAAAAAAAAAAAAAADwAAACADAAAAAAAAAAAAAAEAAACgMgAAVgcAAKr4//8BAAAAf39/AAEAAABkAAAAAAAAABQAAABAHwAAAAAAACYAAAAAAAAAwOD//wAAAAAmAAAAZAAAABYAAABMAAAAAAAAAAAAAAAEAAAAAAAAAAEAAACAgIAKAAAAACgAAAAoAAAAZAAAAGQAAAAAAAAAzMzMAAAAAABQAAAAUAAAAGQAAABkAAAAAAAAABcAAAAUAAAAAAAAAAAAAAD/fwAA/38AAAAAAAAJAAAABAAAAF8AYAAeAAAAaAAAAAAAAAAAAAAAAAAAAAAAAAAAAAAAECcAABAnAAAAAAAAAAAAAAAAAAAAAAAAAAAAAAAAAAAAAAAAAAAAABQAAAAAAAAAwMD/AAAAAABkAAAAMgAAAAAAAABkAAAAAAAAAH9/fwAKAAAAIgAAABgAAAAAAAAAAAAAAAAAAAAAAAAAAAAAAAAAAAAkAAAAJAAAAAAAAAAHAAAAAAAAAAAAAAAAAAAAAAAAAAAAAAAAAAAAf39/ACUAAABYAAAAAAAAAAAAAAAAAAAAAAAAAAAAAAAAAAAAAAAAAAAAAAAAAAAAAAAAAAAAAAA/AAAAAAAAAKCGAQAAAAAAAAAAAAAAAAAMAAAAAQAAAAAAAAAAAAAAAAAAAB8AAABUAAAAAAAABQAAAAEAAAAAAAAAAAAAAAAAAAAAAAAAAAAAAAAAAAAAAAAAAAAAAAJ/f38AAAAAA8zMzADAwP8Af39/AAAAAAAAAAAAAAAAAAAAAAAAAAAAIQAAABgAAAAUAAAAQAsAAOgXAADAPwAAsCIAABAAAAAmAAAACAAAAAGAAAAAAAAA"/>
               </a:ext>
             </a:extLst>
           </p:cNvSpPr>
@@ -329,6 +325,7 @@
             </a:lvl9pPr>
           </a:lstStyle>
           <a:p>
+            <a:pPr/>
             <a:r>
               <a:t>Click to edit Master subtitle style</a:t>
             </a:r>
@@ -342,7 +339,7 @@
             <a:spLocks noGrp="1" noChangeArrowheads="1"/>
             <a:extLst>
               <a:ext uri="smNativeData">
-                <pr:smNativeData xmlns="smNativeData" xmlns:pr="smNativeData" xmlns:p15="http://schemas.microsoft.com/office/powerpoint/2012/main" xmlns:p14="http://schemas.microsoft.com/office/powerpoint/2010/main" xmlns:mc="http://schemas.openxmlformats.org/markup-compatibility/2006" val="SMDATA_15_wwJCaRMAAAAlAAAAZAAAAA8BAAAAkAAAAEgAAACQAAAASAAAAAAAAAABAAAAAAAAAAEAAABQAAAAAAAAAAAA4D8AAAAAAADgPwAAAAAAAOA/AAAAAAAA4D8AAAAAAADgPwAAAAAAAOA/AAAAAAAA4D8AAAAAAADgPwAAAAAAAOA/AAAAAAAA4D8CAAAAjAAAAAAAAAAAAAAAu+DjDP///wgAAAAAAAAAAAAAAAAAAAAAAAAAAAAAAAAAAAAAZAAAAAEAAABAAAAAAAAAAAAAAAAAAAAAAAAAAAAAAAAAAAAAAAAAAAAAAAAAAAAAAAAAAAAAAAAAAAAAAAAAAAAAAAAAAAAAAAAAAAAAAAAAAAAAAAAAAAAAAAAAAAAAFAAAADwAAAAAAAAAAAAAAAAAAAkUAAAAAQAAABQAAAAUAAAAFAAAAAEAAAAAAAAAZAAAAGQAAAAAAAAAZAAAAGQAAAAVAAAAYAAAAAAAAAAAAAAADwAAACADAAAAAAAAAAAAAAEAAACgMgAAVgcAAKr4//8BAAAAf39/AAEAAABkAAAAAAAAABQAAABAHwAAAAAAACYAAAAAAAAAwOD//wAAAAAmAAAAZAAAABYAAABMAAAAAAAAAAAAAAAEAAAAAAAAAAEAAACAgIAKAAAAACgAAAAoAAAAZAAAAGQAAAAAAAAAzMzMAAAAAABQAAAAUAAAAGQAAABkAAAAAAAAABcAAAAUAAAAAAAAAAAAAAD/fwAA/38AAAAAAAAJAAAABAAAAAAAAAAeAAAAaAAAAAAAAAAAAAAAAAAAAAAAAAAAAAAAECcAABAnAAAAAAAAAAAAAAAAAAAAAAAAAAAAAAAAAAAAAAAAAAAAABQAAAAAAAAAwMD/AAAAAABkAAAAMgAAAAAAAABkAAAAAAAAAH9/fwAKAAAAIgAAABgAAAAAAAAAAAAAAAAAAAAAAAAAAAAAAAAAAAAkAAAAJAAAAAAAAAAHAAAAAAAAAAAAAAAAAAAAAAAAAAAAAAAAAAAAf39/ACUAAABYAAAAAAAAAAAAAAAAAAAAAAAAAAAAAAAAAAAAAAAAAAAAAAAAAAAAAAAAAAAAAAA/AAAAAAAAAKCGAQAAAAAAAAAAAAAAAAAMAAAAAQAAAAAAAAAAAAAAAAAAAB8AAABUAAAAAAAABQAAAAEAAAAAAAAAAAAAAAAAAAAAAAAAAAAAAAAAAAAAAAAAAAAAAAJ/f38AAAAAA8zMzADAwP8Af39/AAAAAAAAAAAAAAAAAAAAAAAAAAAAIQAAABgAAAAUAAAAwAMAABsnAAA/FQAAWSkAABAAAAAmAAAACAAAAAAAAAAAAAAA"/>
+                <pr:smNativeData xmlns:pr="smNativeData" xmlns="smNativeData" val="SMDATA_15_SSBGaRMAAAAlAAAAZAAAAA0AAAAAkAAAAEgAAACQAAAASAAAAAAAAAABAAAAAAAAAAEAAABQAAAAAAAAAAAA4D8AAAAAAADgPwAAAAAAAOA/AAAAAAAA4D8AAAAAAADgPwAAAAAAAOA/AAAAAAAA4D8AAAAAAADgPwAAAAAAAOA/AAAAAAAA4D8CAAAAjAAAAAAAAAAAAAAAu+DjDP///wgAAAAAAAAAAAAAAAAAAAAAAAAAAAAAAAAAAAAAZAAAAAEAAABAAAAAAAAAAAAAAAAAAAAAAAAAAAAAAAAAAAAAAAAAAAAAAAAAAAAAAAAAAAAAAAAAAAAAAAAAAAAAAAAAAAAAAAAAAAAAAAAAAAAAAAAAAAAAAAAAAAAAFAAAADwAAAAAAAAAAAAAAAAAAAkUAAAAAQAAABQAAAAUAAAAFAAAAAEAAAAAAAAAZAAAAGQAAAAAAAAAZAAAAGQAAAAVAAAAYAAAAAAAAAAAAAAADwAAACADAAAAAAAAAAAAAAEAAACgMgAAVgcAAKr4//8BAAAAf39/AAEAAABkAAAAAAAAABQAAABAHwAAAAAAACYAAAAAAAAAwOD//wAAAAAmAAAAZAAAABYAAABMAAAAAAAAAAAAAAAEAAAAAAAAAAEAAACAgIAKAAAAACgAAAAoAAAAZAAAAGQAAAAAAAAAzMzMAAAAAABQAAAAUAAAAGQAAABkAAAAAAAAABcAAAAUAAAAAAAAAAAAAAD/fwAA/38AAAAAAAAJAAAABAAAACyUxw4eAAAAaAAAAAAAAAAAAAAAAAAAAAAAAAAAAAAAECcAABAnAAAAAAAAAAAAAAAAAAAAAAAAAAAAAAAAAAAAAAAAAAAAABQAAAAAAAAAwMD/AAAAAABkAAAAMgAAAAAAAABkAAAAAAAAAH9/fwAKAAAAIgAAABgAAAAAAAAAAAAAAAAAAAAAAAAAAAAAAAAAAAAkAAAAJAAAAAAAAAAHAAAAAAAAAAAAAAAAAAAAAAAAAAAAAAAAAAAAf39/ACUAAABYAAAAAAAAAAAAAAAAAAAAAAAAAAAAAAAAAAAAAAAAAAAAAAAAAAAAAAAAAAAAAAA/AAAAAAAAAKCGAQAAAAAAAAAAAAAAAAAMAAAAAQAAAAAAAAAAAAAAAAAAAB8AAABUAAAAAAAABQAAAAEAAAAAAAAAAAAAAAAAAAAAAAAAAAAAAAAAAAAAAAAAAAAAAAJ/f38AAAAAA8zMzADAwP8Af39/AAAAAAAAAAAAAAAAAAAAAAAAAAAAIQAAABgAAAAUAAAAwAMAABsnAAA/FQAAWSkAABAAAAAmAAAACAAAAAAAAAAAAAAA"/>
               </a:ext>
             </a:extLst>
           </p:cNvSpPr>
@@ -355,10 +352,10 @@
           <a:bodyPr/>
           <a:lstStyle/>
           <a:p>
-            <a:fld id="{2B3A2F46-08C6-6FD9-8882-FE8C61CC7EAB}" type="datetime1">
-              <a:t>12/16/2025</a:t>
+            <a:pPr/>
+            <a:fld id="{1B0EEA78-36F6-5B1C-B8B6-C049A4F84E95}" type="datetime1">
+              <a:t/>
             </a:fld>
-            <a:endParaRPr/>
           </a:p>
         </p:txBody>
       </p:sp>
@@ -369,7 +366,7 @@
             <a:spLocks noGrp="1" noChangeArrowheads="1"/>
             <a:extLst>
               <a:ext uri="smNativeData">
-                <pr:smNativeData xmlns="smNativeData" xmlns:pr="smNativeData" xmlns:p15="http://schemas.microsoft.com/office/powerpoint/2012/main" xmlns:p14="http://schemas.microsoft.com/office/powerpoint/2010/main" xmlns:mc="http://schemas.openxmlformats.org/markup-compatibility/2006" val="SMDATA_15_wwJCaRMAAAAlAAAAZAAAAA8BAAAAkAAAAEgAAACQAAAASAAAAAAAAAABAAAAAAAAAAEAAABQAAAAAAAAAAAA4D8AAAAAAADgPwAAAAAAAOA/AAAAAAAA4D8AAAAAAADgPwAAAAAAAOA/AAAAAAAA4D8AAAAAAADgPwAAAAAAAOA/AAAAAAAA4D8CAAAAjAAAAAAAAAAAAAAAu+DjDP///wgAAAAAAAAAAAAAAAAAAAAAAAAAAAAAAAAAAAAAZAAAAAEAAABAAAAAAAAAAAAAAAAAAAAAAAAAAAAAAAAAAAAAAAAAAAAAAAAAAAAAAAAAAAAAAAAAAAAAAAAAAAAAAAAAAAAAAAAAAAAAAAAAAAAAAAAAAAAAAAAAAAAAFAAAADwAAAAAAAAAAAAAAAAAAAkUAAAAAQAAABQAAAAUAAAAFAAAAAEAAAAAAAAAZAAAAGQAAAAAAAAAZAAAAGQAAAAVAAAAYAAAAAAAAAAAAAAADwAAACADAAAAAAAAAAAAAAEAAACgMgAAVgcAAKr4//8BAAAAf39/AAEAAABkAAAAAAAAABQAAABAHwAAAAAAACYAAAAAAAAAwOD//wAAAAAmAAAAZAAAABYAAABMAAAAAAAAAAAAAAAEAAAAAAAAAAEAAACAgIAKAAAAACgAAAAoAAAAZAAAAGQAAAAAAAAAzMzMAAAAAABQAAAAUAAAAGQAAABkAAAAAAAAABcAAAAUAAAAAAAAAAAAAAD/fwAA/38AAAAAAAAJAAAABAAAAAAAAAAeAAAAaAAAAAAAAAAAAAAAAAAAAAAAAAAAAAAAECcAABAnAAAAAAAAAAAAAAAAAAAAAAAAAAAAAAAAAAAAAAAAAAAAABQAAAAAAAAAwMD/AAAAAABkAAAAMgAAAAAAAABkAAAAAAAAAH9/fwAKAAAAIgAAABgAAAAAAAAAAAAAAAAAAAAAAAAAAAAAAAAAAAAkAAAAJAAAAAAAAAAHAAAAAAAAAAAAAAAAAAAAAAAAAAAAAAAAAAAAf39/ACUAAABYAAAAAAAAAAAAAAAAAAAAAAAAAAAAAAAAAAAAAAAAAAAAAAAAAAAAAAAAAAAAAAA/AAAAAAAAAKCGAQAAAAAAAAAAAAAAAAAMAAAAAQAAAAAAAAAAAAAAAAAAAB8AAABUAAAAAAAABQAAAAEAAAAAAAAAAAAAAAAAAAAAAAAAAAAAAAAAAAAAAAAAAAAAAAJ/f38AAAAAA8zMzADAwP8Af39/AAAAAAAAAAAAAAAAAAAAAAAAAAAAIQAAABgAAAAUAAAAoRkAABsnAABfMQAAWSkAABAAAAAmAAAACAAAAAAAAAAAAAAA"/>
+                <pr:smNativeData xmlns:pr="smNativeData" xmlns="smNativeData" val="SMDATA_15_SSBGaRMAAAAlAAAAZAAAAA0AAAAAkAAAAEgAAACQAAAASAAAAAAAAAABAAAAAAAAAAEAAABQAAAAAAAAAAAA4D8AAAAAAADgPwAAAAAAAOA/AAAAAAAA4D8AAAAAAADgPwAAAAAAAOA/AAAAAAAA4D8AAAAAAADgPwAAAAAAAOA/AAAAAAAA4D8CAAAAjAAAAAAAAAAAAAAAu+DjDP///wgAAAAAAAAAAAAAAAAAAAAAAAAAAAAAAAAAAAAAZAAAAAEAAABAAAAAAAAAAAAAAAAAAAAAAAAAAAAAAAAAAAAAAAAAAAAAAAAAAAAAAAAAAAAAAAAAAAAAAAAAAAAAAAAAAAAAAAAAAAAAAAAAAAAAAAAAAAAAAAAAAAAAFAAAADwAAAAAAAAAAAAAAAAAAAkUAAAAAQAAABQAAAAUAAAAFAAAAAEAAAAAAAAAZAAAAGQAAAAAAAAAZAAAAGQAAAAVAAAAYAAAAAAAAAAAAAAADwAAACADAAAAAAAAAAAAAAEAAACgMgAAVgcAAKr4//8BAAAAf39/AAEAAABkAAAAAAAAABQAAABAHwAAAAAAACYAAAAAAAAAwOD//wAAAAAmAAAAZAAAABYAAABMAAAAAAAAAAAAAAAEAAAAAAAAAAEAAACAgIAKAAAAACgAAAAoAAAAZAAAAGQAAAAAAAAAzMzMAAAAAABQAAAAUAAAAGQAAABkAAAAAAAAABcAAAAUAAAAAAAAAAAAAAD/fwAA/38AAAAAAAAJAAAABAAAAGxpY2keAAAAaAAAAAAAAAAAAAAAAAAAAAAAAAAAAAAAECcAABAnAAAAAAAAAAAAAAAAAAAAAAAAAAAAAAAAAAAAAAAAAAAAABQAAAAAAAAAwMD/AAAAAABkAAAAMgAAAAAAAABkAAAAAAAAAH9/fwAKAAAAIgAAABgAAAAAAAAAAAAAAAAAAAAAAAAAAAAAAAAAAAAkAAAAJAAAAAAAAAAHAAAAAAAAAAAAAAAAAAAAAAAAAAAAAAAAAAAAf39/ACUAAABYAAAAAAAAAAAAAAAAAAAAAAAAAAAAAAAAAAAAAAAAAAAAAAAAAAAAAAAAAAAAAAA/AAAAAAAAAKCGAQAAAAAAAAAAAAAAAAAMAAAAAQAAAAAAAAAAAAAAAAAAAB8AAABUAAAAAAAABQAAAAEAAAAAAAAAAAAAAAAAAAAAAAAAAAAAAAAAAAAAAAAAAAAAAAJ/f38AAAAAA8zMzADAwP8Af39/AAAAAAAAAAAAAAAAAAAAAAAAAAAAIQAAABgAAAAUAAAAoRkAABsnAABfMQAAWSkAABAAAAAmAAAACAAAAAAAAAAAAAAA"/>
               </a:ext>
             </a:extLst>
           </p:cNvSpPr>
@@ -382,7 +379,7 @@
           <a:bodyPr/>
           <a:lstStyle/>
           <a:p>
-            <a:endParaRPr/>
+            <a:pPr/>
           </a:p>
         </p:txBody>
       </p:sp>
@@ -393,7 +390,7 @@
             <a:spLocks noGrp="1" noChangeArrowheads="1"/>
             <a:extLst>
               <a:ext uri="smNativeData">
-                <pr:smNativeData xmlns="smNativeData" xmlns:pr="smNativeData" xmlns:p15="http://schemas.microsoft.com/office/powerpoint/2012/main" xmlns:p14="http://schemas.microsoft.com/office/powerpoint/2010/main" xmlns:mc="http://schemas.openxmlformats.org/markup-compatibility/2006" val="SMDATA_15_wwJCaRMAAAAlAAAAZAAAAA8BAAAAkAAAAEgAAACQAAAASAAAAAAAAAABAAAAAAAAAAEAAABQAAAAAAAAAAAA4D8AAAAAAADgPwAAAAAAAOA/AAAAAAAA4D8AAAAAAADgPwAAAAAAAOA/AAAAAAAA4D8AAAAAAADgPwAAAAAAAOA/AAAAAAAA4D8CAAAAjAAAAAAAAAAAAAAAu+DjDP///wgAAAAAAAAAAAAAAAAAAAAAAAAAAAAAAAAAAAAAZAAAAAEAAABAAAAAAAAAAAAAAAAAAAAAAAAAAAAAAAAAAAAAAAAAAAAAAAAAAAAAAAAAAAAAAAAAAAAAAAAAAAAAAAAAAAAAAAAAAAAAAAAAAAAAAAAAAAAAAAAAAAAAFAAAADwAAAAAAAAAAAAAAAAAAAkUAAAAAQAAABQAAAAUAAAAFAAAAAEAAAAAAAAAZAAAAGQAAAAAAAAAZAAAAGQAAAAVAAAAYAAAAAAAAAAAAAAADwAAACADAAAAAAAAAAAAAAEAAACgMgAAVgcAAKr4//8BAAAAf39/AAEAAABkAAAAAAAAABQAAABAHwAAAAAAACYAAAAAAAAAwOD//wAAAAAmAAAAZAAAABYAAABMAAAAAAAAAAAAAAAEAAAAAAAAAAEAAACAgIAKAAAAACgAAAAoAAAAZAAAAGQAAAAAAAAAzMzMAAAAAABQAAAAUAAAAGQAAABkAAAAAAAAABcAAAAUAAAAAAAAAAAAAAD/fwAA/38AAAAAAAAJAAAABAAAAHsAfAAeAAAAaAAAAAAAAAAAAAAAAAAAAAAAAAAAAAAAECcAABAnAAAAAAAAAAAAAAAAAAAAAAAAAAAAAAAAAAAAAAAAAAAAABQAAAAAAAAAwMD/AAAAAABkAAAAMgAAAAAAAABkAAAAAAAAAH9/fwAKAAAAIgAAABgAAAAAAAAAAAAAAAAAAAAAAAAAAAAAAAAAAAAkAAAAJAAAAAAAAAAHAAAAAAAAAAAAAAAAAAAAAAAAAAAAAAAAAAAAf39/ACUAAABYAAAAAAAAAAAAAAAAAAAAAAAAAAAAAAAAAAAAAAAAAAAAAAAAAAAAAAAAAAAAAAA/AAAAAAAAAKCGAQAAAAAAAAAAAAAAAAAMAAAAAQAAAAAAAAAAAAAAAAAAAB8AAABUAAAAAAAABQAAAAEAAAAAAAAAAAAAAAAAAAAAAAAAAAAAAAAAAAAAAAAAAAAAAAJ/f38AAAAAA8zMzADAwP8Af39/AAAAAAAAAAAAAAAAAAAAAAAAAAAAIQAAABgAAAAUAAAAwTUAABsnAABARwAAWSkAABAAAAAmAAAACAAAAAAAAAAAAAAA"/>
+                <pr:smNativeData xmlns:pr="smNativeData" xmlns="smNativeData" val="SMDATA_15_SSBGaRMAAAAlAAAAZAAAAA0AAAAAkAAAAEgAAACQAAAASAAAAAAAAAABAAAAAAAAAAEAAABQAAAAAAAAAAAA4D8AAAAAAADgPwAAAAAAAOA/AAAAAAAA4D8AAAAAAADgPwAAAAAAAOA/AAAAAAAA4D8AAAAAAADgPwAAAAAAAOA/AAAAAAAA4D8CAAAAjAAAAAAAAAAAAAAAu+DjDP///wgAAAAAAAAAAAAAAAAAAAAAAAAAAAAAAAAAAAAAZAAAAAEAAABAAAAAAAAAAAAAAAAAAAAAAAAAAAAAAAAAAAAAAAAAAAAAAAAAAAAAAAAAAAAAAAAAAAAAAAAAAAAAAAAAAAAAAAAAAAAAAAAAAAAAAAAAAAAAAAAAAAAAFAAAADwAAAAAAAAAAAAAAAAAAAkUAAAAAQAAABQAAAAUAAAAFAAAAAEAAAAAAAAAZAAAAGQAAAAAAAAAZAAAAGQAAAAVAAAAYAAAAAAAAAAAAAAADwAAACADAAAAAAAAAAAAAAEAAACgMgAAVgcAAKr4//8BAAAAf39/AAEAAABkAAAAAAAAABQAAABAHwAAAAAAACYAAAAAAAAAwOD//wAAAAAmAAAAZAAAABYAAABMAAAAAAAAAAAAAAAEAAAAAAAAAAEAAACAgIAKAAAAACgAAAAoAAAAZAAAAGQAAAAAAAAAzMzMAAAAAABQAAAAUAAAAGQAAABkAAAAAAAAABcAAAAUAAAAAAAAAAAAAAD/fwAA/38AAAAAAAAJAAAABAAAAF8AYAAeAAAAaAAAAAAAAAAAAAAAAAAAAAAAAAAAAAAAECcAABAnAAAAAAAAAAAAAAAAAAAAAAAAAAAAAAAAAAAAAAAAAAAAABQAAAAAAAAAwMD/AAAAAABkAAAAMgAAAAAAAABkAAAAAAAAAH9/fwAKAAAAIgAAABgAAAAAAAAAAAAAAAAAAAAAAAAAAAAAAAAAAAAkAAAAJAAAAAAAAAAHAAAAAAAAAAAAAAAAAAAAAAAAAAAAAAAAAAAAf39/ACUAAABYAAAAAAAAAAAAAAAAAAAAAAAAAAAAAAAAAAAAAAAAAAAAAAAAAAAAAAAAAAAAAAA/AAAAAAAAAKCGAQAAAAAAAAAAAAAAAAAMAAAAAQAAAAAAAAAAAAAAAAAAAB8AAABUAAAAAAAABQAAAAEAAAAAAAAAAAAAAAAAAAAAAAAAAAAAAAAAAAAAAAAAAAAAAAJ/f38AAAAAA8zMzADAwP8Af39/AAAAAAAAAAAAAAAAAAAAAAAAAAAAIQAAABgAAAAUAAAAwTUAABsnAABARwAAWSkAABAAAAAmAAAACAAAAAAAAAAAAAAA"/>
               </a:ext>
             </a:extLst>
           </p:cNvSpPr>
@@ -406,10 +403,10 @@
           <a:bodyPr/>
           <a:lstStyle/>
           <a:p>
-            <a:fld id="{2B3A6036-78C6-6F96-8882-8EC32ECC7EDB}" type="slidenum">
-              <a:t>‹#›</a:t>
+            <a:pPr/>
+            <a:fld id="{1B0EE631-7FF6-5B10-B8B6-8945A8F84EDC}" type="slidenum">
+              <a:t/>
             </a:fld>
-            <a:endParaRPr/>
           </a:p>
         </p:txBody>
       </p:sp>
@@ -423,7 +420,7 @@
 </file>
 
 <file path=ppt/slideLayouts/slideLayout10.xml><?xml version="1.0" encoding="utf-8"?>
-<p:sldLayout xmlns:a="http://schemas.openxmlformats.org/drawingml/2006/main" xmlns:r="http://schemas.openxmlformats.org/officeDocument/2006/relationships" xmlns:p="http://schemas.openxmlformats.org/presentationml/2006/main" type="vertTx">
+<p:sldLayout xmlns:p="http://schemas.openxmlformats.org/presentationml/2006/main" xmlns:mc="http://schemas.openxmlformats.org/markup-compatibility/2006" xmlns:p14="http://schemas.microsoft.com/office/powerpoint/2010/main" xmlns:p15="http://schemas.microsoft.com/office/powerpoint/2012/main" xmlns:r="http://schemas.openxmlformats.org/officeDocument/2006/relationships" xmlns:a="http://schemas.openxmlformats.org/drawingml/2006/main" type="vertTx">
   <p:cSld name="Title and vertical text">
     <p:spTree>
       <p:nvGrpSpPr>
@@ -446,7 +443,7 @@
             <a:spLocks noGrp="1" noChangeArrowheads="1"/>
             <a:extLst>
               <a:ext uri="smNativeData">
-                <pr:smNativeData xmlns="smNativeData" xmlns:pr="smNativeData" xmlns:p15="http://schemas.microsoft.com/office/powerpoint/2012/main" xmlns:p14="http://schemas.microsoft.com/office/powerpoint/2010/main" xmlns:mc="http://schemas.openxmlformats.org/markup-compatibility/2006" val="SMDATA_15_wwJCaRMAAAAlAAAAZAAAAA8BAAAAkAAAAEgAAACQAAAASAAAAAAAAAABAAAAAAAAAAEAAABQAAAAAAAAAAAA4D8AAAAAAADgPwAAAAAAAOA/AAAAAAAA4D8AAAAAAADgPwAAAAAAAOA/AAAAAAAA4D8AAAAAAADgPwAAAAAAAOA/AAAAAAAA4D8CAAAAjAAAAAAAAAAAAAAAu+DjDP///wgAAAAAAAAAAAAAAAAAAAAAAAAAAAAAAAAAAAAAZAAAAAEAAABAAAAAAAAAAAAAAAAAAAAAAAAAAAAAAAAAAAAAAAAAAAAAAAAAAAAAAAAAAAAAAAAAAAAAAAAAAAAAAAAAAAAAAAAAAAAAAAAAAAAAAAAAAAAAAAAAAAAAFAAAADwAAAAAAAAAAAAAAAAAAAkUAAAAAQAAABQAAAAUAAAAFAAAAAEAAAAAAAAAZAAAAGQAAAAAAAAAZAAAAGQAAAAVAAAAYAAAAAAAAAAAAAAADwAAACADAAAAAAAAAAAAAAEAAACgMgAAVgcAAKr4//8BAAAAf39/AAEAAABkAAAAAAAAABQAAABAHwAAAAAAACYAAAAAAAAAwOD//wAAAAAmAAAAZAAAABYAAABMAAAAAAAAAAAAAAAEAAAAAAAAAAEAAACAgIAKAAAAACgAAAAoAAAAZAAAAGQAAAAAAAAAzMzMAAAAAABQAAAAUAAAAGQAAABkAAAAAAAAABcAAAAUAAAAAAAAAAAAAAD/fwAA/38AAAAAAAAJAAAABAAAAG49IjEeAAAAaAAAAAAAAAAAAAAAAAAAAAAAAAAAAAAAECcAABAnAAAAAAAAAAAAAAAAAAAAAAAAAAAAAAAAAAAAAAAAAAAAABQAAAAAAAAAwMD/AAAAAABkAAAAMgAAAAAAAABkAAAAAAAAAH9/fwAKAAAAIgAAABgAAAAAAAAAAAAAAAAAAAAAAAAAAAAAAAAAAAAkAAAAJAAAAAAAAAAHAAAAAAAAAAAAAAAAAAAAAAAAAAAAAAAAAAAAf39/ACUAAABYAAAAAAAAAAAAAAAAAAAAAAAAAAAAAAAAAAAAAAAAAAAAAAAAAAAAAAAAAAAAAAA/AAAAAAAAAKCGAQAAAAAAAAAAAAAAAAAMAAAAAQAAAAAAAAAAAAAAAAAAAB8AAABUAAAAAAAABQAAAAEAAAAAAAAAAAAAAAAAAAAAAAAAAAAAAAAAAAAAAAAAAAAAAAJ/f38AAAAAA8zMzADAwP8Af39/AAAAAAAAAAAAAAAAAAAAAAAAAAAAIQAAABgAAAAUAAAAwAMAALABAABARwAAuAgAABAAAAAmAAAACAAAAAAAAAAAAAAA"/>
+                <pr:smNativeData xmlns:pr="smNativeData" xmlns="smNativeData" val="SMDATA_15_SSBGaRMAAAAlAAAAZAAAAA0AAAAAkAAAAEgAAACQAAAASAAAAAAAAAABAAAAAAAAAAEAAABQAAAAAAAAAAAA4D8AAAAAAADgPwAAAAAAAOA/AAAAAAAA4D8AAAAAAADgPwAAAAAAAOA/AAAAAAAA4D8AAAAAAADgPwAAAAAAAOA/AAAAAAAA4D8CAAAAjAAAAAAAAAAAAAAAu+DjDP///wgAAAAAAAAAAAAAAAAAAAAAAAAAAAAAAAAAAAAAZAAAAAEAAABAAAAAAAAAAAAAAAAAAAAAAAAAAAAAAAAAAAAAAAAAAAAAAAAAAAAAAAAAAAAAAAAAAAAAAAAAAAAAAAAAAAAAAAAAAAAAAAAAAAAAAAAAAAAAAAAAAAAAFAAAADwAAAAAAAAAAAAAAAAAAAkUAAAAAQAAABQAAAAUAAAAFAAAAAEAAAAAAAAAZAAAAGQAAAAAAAAAZAAAAGQAAAAVAAAAYAAAAAAAAAAAAAAADwAAACADAAAAAAAAAAAAAAEAAACgMgAAVgcAAKr4//8BAAAAf39/AAEAAABkAAAAAAAAABQAAABAHwAAAAAAACYAAAAAAAAAwOD//wAAAAAmAAAAZAAAABYAAABMAAAAAAAAAAAAAAAEAAAAAAAAAAEAAACAgIAKAAAAACgAAAAoAAAAZAAAAGQAAAAAAAAAzMzMAAAAAABQAAAAUAAAAGQAAABkAAAAAAAAABcAAAAUAAAAAAAAAAAAAAD/fwAA/38AAAAAAAAJAAAABAAAAAAAAAAeAAAAaAAAAAAAAAAAAAAAAAAAAAAAAAAAAAAAECcAABAnAAAAAAAAAAAAAAAAAAAAAAAAAAAAAAAAAAAAAAAAAAAAABQAAAAAAAAAwMD/AAAAAABkAAAAMgAAAAAAAABkAAAAAAAAAH9/fwAKAAAAIgAAABgAAAAAAAAAAAAAAAAAAAAAAAAAAAAAAAAAAAAkAAAAJAAAAAAAAAAHAAAAAAAAAAAAAAAAAAAAAAAAAAAAAAAAAAAAf39/ACUAAABYAAAAAAAAAAAAAAAAAAAAAAAAAAAAAAAAAAAAAAAAAAAAAAAAAAAAAAAAAAAAAAA/AAAAAAAAAKCGAQAAAAAAAAAAAAAAAAAMAAAAAQAAAAAAAAAAAAAAAAAAAB8AAABUAAAAAAAABQAAAAEAAAAAAAAAAAAAAAAAAAAAAAAAAAAAAAAAAAAAAAAAAAAAAAJ/f38AAAAAA8zMzADAwP8Af39/AAAAAAAAAAAAAAAAAAAAAAAAAAAAIQAAABgAAAAUAAAAwAMAALABAABARwAAuAgAABAAAAAmAAAACAAAAAAAAAAAAAAA"/>
               </a:ext>
             </a:extLst>
           </p:cNvSpPr>
@@ -459,6 +456,7 @@
           <a:bodyPr/>
           <a:lstStyle/>
           <a:p>
+            <a:pPr/>
             <a:r>
               <a:t>Click to edit Master title style</a:t>
             </a:r>
@@ -472,7 +470,7 @@
             <a:spLocks noGrp="1" noChangeArrowheads="1"/>
             <a:extLst>
               <a:ext uri="smNativeData">
-                <pr:smNativeData xmlns="smNativeData" xmlns:pr="smNativeData" xmlns:p15="http://schemas.microsoft.com/office/powerpoint/2012/main" xmlns:p14="http://schemas.microsoft.com/office/powerpoint/2010/main" xmlns:mc="http://schemas.openxmlformats.org/markup-compatibility/2006" val="SMDATA_15_wwJCaRMAAAAlAAAAZAAAAA8BAAAAkAAAAEgAAACQAAAASAAAAAAAAAAAAAAAAQAAAAEAAABQAAAAAAAAAAAA4D8AAAAAAADgPwAAAAAAAOA/AAAAAAAA4D8AAAAAAADgPwAAAAAAAOA/AAAAAAAA4D8AAAAAAADgPwAAAAAAAOA/AAAAAAAA4D8CAAAAjAAAAAAAAAAAAAAAu+DjDP///wgAAAAAAAAAAAAAAAAAAAAAAAAAAAAAAAAAAAAAZAAAAAEAAABAAAAAAAAAAAAAAAAAAAAAAAAAAAAAAAAAAAAAAAAAAAAAAAAAAAAAAAAAAAAAAAAAAAAAAAAAAAAAAAAAAAAAAAAAAAAAAAAAAAAAAAAAAAAAAAAAAAAAFAAAADwAAAAAAAAAAAAAAAAAAAkUAAAAAQAAABQAAAAUAAAAFAAAAAEAAAAAAAAAZAAAAGQAAAAAAAAAZAAAAGQAAAAVAAAAYAAAAAAAAAAAAAAADwAAACADAAAAAAAAAAAAAAEAAACgMgAAVgcAAKr4//8BAAAAf39/AAEAAABkAAAAAAAAABQAAABAHwAAAAAAACYAAAAAAAAAwOD//wAAAAAmAAAAZAAAABYAAABMAAAAAAAAAAAAAAAEAAAAAAAAAAEAAACAgIAKAAAAACgAAAAoAAAAZAAAAGQAAAAAAAAAzMzMAAAAAABQAAAAUAAAAGQAAABkAAAAAAAAABcAAAAUAAAAAAAAAAAAAAD/fwAA/38AAAAAAAAJAAAABAAAAAAAAAAeAAAAaAAAAAAAAAAAAAAAAAAAAAAAAAAAAAAAECcAABAnAAAAAAAAAAAAAAAAAAAAAAAAAAAAAAAAAAAAAAAAAAAAABQAAAAAAAAAwMD/AAAAAABkAAAAMgAAAAAAAABkAAAAAAAAAH9/fwAKAAAAIgAAABgAAAAAAAAAAAAAAAAAAAAAAAAAAAAAAAAAAAAkAAAAJAAAAAAAAAAHAAAAAAAAAAAAAAAAAAAAAAAAAAAAAAAAAAAAf39/ACUAAABYAAAAAAAAAAAAAAAAAAAAAAAAAAAAAAAAAAAAAAAAAAAAAAAAAAAAAAAAAAAAAAA/AAAAAAAAAKCGAQAAAAAAAAAAAAAAAAAMAAAAAQAAAAAAAAAAAAAAAAAAAB8AAABUAAAAAAAABQAAAAEAAAAAAAAAAAAAAAAAAAAAAAAAAAAAAAAAAAAAAAAAAAAAAAJ/f38AAAAAA8zMzADAwP8Af39/AAAAAAAAAAAAAAAAAAAAAAAAAAAAIQAAABgAAAAUAAAAwAMAANgJAABARwAAsCUAABAAAAAmAAAACAAAAAIAAAAAAAAA"/>
+                <pr:smNativeData xmlns:pr="smNativeData" xmlns="smNativeData" val="SMDATA_15_SSBGaRMAAAAlAAAAZAAAAA0AAAAAkAAAAEgAAACQAAAASAAAAAAAAAAAAAAAAQAAAAEAAABQAAAAAAAAAAAA4D8AAAAAAADgPwAAAAAAAOA/AAAAAAAA4D8AAAAAAADgPwAAAAAAAOA/AAAAAAAA4D8AAAAAAADgPwAAAAAAAOA/AAAAAAAA4D8CAAAAjAAAAAAAAAAAAAAAu+DjDP///wgAAAAAAAAAAAAAAAAAAAAAAAAAAAAAAAAAAAAAZAAAAAEAAABAAAAAAAAAAAAAAAAAAAAAAAAAAAAAAAAAAAAAAAAAAAAAAAAAAAAAAAAAAAAAAAAAAAAAAAAAAAAAAAAAAAAAAAAAAAAAAAAAAAAAAAAAAAAAAAAAAAAAFAAAADwAAAAAAAAAAAAAAAAAAAkUAAAAAQAAABQAAAAUAAAAFAAAAAEAAAAAAAAAZAAAAGQAAAAAAAAAZAAAAGQAAAAVAAAAYAAAAAAAAAAAAAAADwAAACADAAAAAAAAAAAAAAEAAACgMgAAVgcAAKr4//8BAAAAf39/AAEAAABkAAAAAAAAABQAAABAHwAAAAAAACYAAAAAAAAAwOD//wAAAAAmAAAAZAAAABYAAABMAAAAAAAAAAAAAAAEAAAAAAAAAAEAAACAgIAKAAAAACgAAAAoAAAAZAAAAGQAAAAAAAAAzMzMAAAAAABQAAAAUAAAAGQAAABkAAAAAAAAABcAAAAUAAAAAAAAAAAAAAD/fwAA/38AAAAAAAAJAAAABAAAAAAAAAAeAAAAaAAAAAAAAAAAAAAAAAAAAAAAAAAAAAAAECcAABAnAAAAAAAAAAAAAAAAAAAAAAAAAAAAAAAAAAAAAAAAAAAAABQAAAAAAAAAwMD/AAAAAABkAAAAMgAAAAAAAABkAAAAAAAAAH9/fwAKAAAAIgAAABgAAAAAAAAAAAAAAAAAAAAAAAAAAAAAAAAAAAAkAAAAJAAAAAAAAAAHAAAAAAAAAAAAAAAAAAAAAAAAAAAAAAAAAAAAf39/ACUAAABYAAAAAAAAAAAAAAAAAAAAAAAAAAAAAAAAAAAAAAAAAAAAAAAAAAAAAAAAAAAAAAA/AAAAAAAAAKCGAQAAAAAAAAAAAAAAAAAMAAAAAQAAAAAAAAAAAAAAAAAAAB8AAABUAAAAAAAABQAAAAEAAAAAAAAAAAAAAAAAAAAAAAAAAAAAAAAAAAAAAAAAAAAAAAJ/f38AAAAAA8zMzADAwP8Af39/AAAAAAAAAAAAAAAAAAAAAAAAAAAAIQAAABgAAAAUAAAAwAMAANgJAABARwAAsCUAABAAAAAmAAAACAAAAAIQAAAAAAAA"/>
               </a:ext>
             </a:extLst>
           </p:cNvSpPr>
@@ -482,13 +480,14 @@
         </p:nvSpPr>
         <p:spPr/>
         <p:txBody>
-          <a:bodyPr vert="vert" wrap="square" numCol="1" spcCol="215900" anchor="t">
+          <a:bodyPr vert="vert" wrap="square" lIns="91440" tIns="45720" rIns="91440" bIns="45720" numCol="1" spcCol="215900" anchor="t">
             <a:prstTxWarp prst="textNoShape">
               <a:avLst/>
             </a:prstTxWarp>
           </a:bodyPr>
           <a:lstStyle/>
           <a:p>
+            <a:pPr/>
             <a:r>
               <a:t>Click to edit Master text styles</a:t>
             </a:r>
@@ -526,7 +525,7 @@
             <a:spLocks noGrp="1" noChangeArrowheads="1"/>
             <a:extLst>
               <a:ext uri="smNativeData">
-                <pr:smNativeData xmlns="smNativeData" xmlns:pr="smNativeData" xmlns:p15="http://schemas.microsoft.com/office/powerpoint/2012/main" xmlns:p14="http://schemas.microsoft.com/office/powerpoint/2010/main" xmlns:mc="http://schemas.openxmlformats.org/markup-compatibility/2006" val="SMDATA_15_wwJCaRMAAAAlAAAAZAAAAA8BAAAAkAAAAEgAAACQAAAASAAAAAAAAAABAAAAAAAAAAEAAABQAAAAAAAAAAAA4D8AAAAAAADgPwAAAAAAAOA/AAAAAAAA4D8AAAAAAADgPwAAAAAAAOA/AAAAAAAA4D8AAAAAAADgPwAAAAAAAOA/AAAAAAAA4D8CAAAAjAAAAAAAAAAAAAAAu+DjDP///wgAAAAAAAAAAAAAAAAAAAAAAAAAAAAAAAAAAAAAZAAAAAEAAABAAAAAAAAAAAAAAAAAAAAAAAAAAAAAAAAAAAAAAAAAAAAAAAAAAAAAAAAAAAAAAAAAAAAAAAAAAAAAAAAAAAAAAAAAAAAAAAAAAAAAAAAAAAAAAAAAAAAAFAAAADwAAAAAAAAAAAAAAAAAAAkUAAAAAQAAABQAAAAUAAAAFAAAAAEAAAAAAAAAZAAAAGQAAAAAAAAAZAAAAGQAAAAVAAAAYAAAAAAAAAAAAAAADwAAACADAAAAAAAAAAAAAAEAAACgMgAAVgcAAKr4//8BAAAAf39/AAEAAABkAAAAAAAAABQAAABAHwAAAAAAACYAAAAAAAAAwOD//wAAAAAmAAAAZAAAABYAAABMAAAAAAAAAAAAAAAEAAAAAAAAAAEAAACAgIAKAAAAACgAAAAoAAAAZAAAAGQAAAAAAAAAzMzMAAAAAABQAAAAUAAAAGQAAABkAAAAAAAAABcAAAAUAAAAAAAAAAAAAAD/fwAA/38AAAAAAAAJAAAABAAAAAAAAAAeAAAAaAAAAAAAAAAAAAAAAAAAAAAAAAAAAAAAECcAABAnAAAAAAAAAAAAAAAAAAAAAAAAAAAAAAAAAAAAAAAAAAAAABQAAAAAAAAAwMD/AAAAAABkAAAAMgAAAAAAAABkAAAAAAAAAH9/fwAKAAAAIgAAABgAAAAAAAAAAAAAAAAAAAAAAAAAAAAAAAAAAAAkAAAAJAAAAAAAAAAHAAAAAAAAAAAAAAAAAAAAAAAAAAAAAAAAAAAAf39/ACUAAABYAAAAAAAAAAAAAAAAAAAAAAAAAAAAAAAAAAAAAAAAAAAAAAAAAAAAAAAAAAAAAAA/AAAAAAAAAKCGAQAAAAAAAAAAAAAAAAAMAAAAAQAAAAAAAAAAAAAAAAAAAB8AAABUAAAAAAAABQAAAAEAAAAAAAAAAAAAAAAAAAAAAAAAAAAAAAAAAAAAAAAAAAAAAAJ/f38AAAAAA8zMzADAwP8Af39/AAAAAAAAAAAAAAAAAAAAAAAAAAAAIQAAABgAAAAUAAAAwAMAABsnAAA/FQAAWSkAABAAAAAmAAAACAAAAAAAAAAAAAAA"/>
+                <pr:smNativeData xmlns:pr="smNativeData" xmlns="smNativeData" val="SMDATA_15_SSBGaRMAAAAlAAAAZAAAAA0AAAAAkAAAAEgAAACQAAAASAAAAAAAAAABAAAAAAAAAAEAAABQAAAAAAAAAAAA4D8AAAAAAADgPwAAAAAAAOA/AAAAAAAA4D8AAAAAAADgPwAAAAAAAOA/AAAAAAAA4D8AAAAAAADgPwAAAAAAAOA/AAAAAAAA4D8CAAAAjAAAAAAAAAAAAAAAu+DjDP///wgAAAAAAAAAAAAAAAAAAAAAAAAAAAAAAAAAAAAAZAAAAAEAAABAAAAAAAAAAAAAAAAAAAAAAAAAAAAAAAAAAAAAAAAAAAAAAAAAAAAAAAAAAAAAAAAAAAAAAAAAAAAAAAAAAAAAAAAAAAAAAAAAAAAAAAAAAAAAAAAAAAAAFAAAADwAAAAAAAAAAAAAAAAAAAkUAAAAAQAAABQAAAAUAAAAFAAAAAEAAAAAAAAAZAAAAGQAAAAAAAAAZAAAAGQAAAAVAAAAYAAAAAAAAAAAAAAADwAAACADAAAAAAAAAAAAAAEAAACgMgAAVgcAAKr4//8BAAAAf39/AAEAAABkAAAAAAAAABQAAABAHwAAAAAAACYAAAAAAAAAwOD//wAAAAAmAAAAZAAAABYAAABMAAAAAAAAAAAAAAAEAAAAAAAAAAEAAACAgIAKAAAAACgAAAAoAAAAZAAAAGQAAAAAAAAAzMzMAAAAAABQAAAAUAAAAGQAAABkAAAAAAAAABcAAAAUAAAAAAAAAAAAAAD/fwAA/38AAAAAAAAJAAAABAAAAAAAAAAeAAAAaAAAAAAAAAAAAAAAAAAAAAAAAAAAAAAAECcAABAnAAAAAAAAAAAAAAAAAAAAAAAAAAAAAAAAAAAAAAAAAAAAABQAAAAAAAAAwMD/AAAAAABkAAAAMgAAAAAAAABkAAAAAAAAAH9/fwAKAAAAIgAAABgAAAAAAAAAAAAAAAAAAAAAAAAAAAAAAAAAAAAkAAAAJAAAAAAAAAAHAAAAAAAAAAAAAAAAAAAAAAAAAAAAAAAAAAAAf39/ACUAAABYAAAAAAAAAAAAAAAAAAAAAAAAAAAAAAAAAAAAAAAAAAAAAAAAAAAAAAAAAAAAAAA/AAAAAAAAAKCGAQAAAAAAAAAAAAAAAAAMAAAAAQAAAAAAAAAAAAAAAAAAAB8AAABUAAAAAAAABQAAAAEAAAAAAAAAAAAAAAAAAAAAAAAAAAAAAAAAAAAAAAAAAAAAAAJ/f38AAAAAA8zMzADAwP8Af39/AAAAAAAAAAAAAAAAAAAAAAAAAAAAIQAAABgAAAAUAAAAwAMAABsnAAA/FQAAWSkAABAAAAAmAAAACAAAAAAAAAAAAAAA"/>
               </a:ext>
             </a:extLst>
           </p:cNvSpPr>
@@ -539,10 +538,10 @@
           <a:bodyPr/>
           <a:lstStyle/>
           <a:p>
-            <a:fld id="{2B3A3FD1-9FC6-6FC9-8882-699C71CC7E3C}" type="datetime1">
+            <a:pPr/>
+            <a:fld id="{1B0EDA13-5DF6-5B2C-B8B6-AB7994F84EFE}" type="datetime1">
               <a:t>12/16/2025</a:t>
             </a:fld>
-            <a:endParaRPr/>
           </a:p>
         </p:txBody>
       </p:sp>
@@ -553,7 +552,7 @@
             <a:spLocks noGrp="1" noChangeArrowheads="1"/>
             <a:extLst>
               <a:ext uri="smNativeData">
-                <pr:smNativeData xmlns="smNativeData" xmlns:pr="smNativeData" xmlns:p15="http://schemas.microsoft.com/office/powerpoint/2012/main" xmlns:p14="http://schemas.microsoft.com/office/powerpoint/2010/main" xmlns:mc="http://schemas.openxmlformats.org/markup-compatibility/2006" val="SMDATA_15_wwJCaRMAAAAlAAAAZAAAAA8BAAAAkAAAAEgAAACQAAAASAAAAAAAAAABAAAAAAAAAAEAAABQAAAAAAAAAAAA4D8AAAAAAADgPwAAAAAAAOA/AAAAAAAA4D8AAAAAAADgPwAAAAAAAOA/AAAAAAAA4D8AAAAAAADgPwAAAAAAAOA/AAAAAAAA4D8CAAAAjAAAAAAAAAAAAAAAu+DjDP///wgAAAAAAAAAAAAAAAAAAAAAAAAAAAAAAAAAAAAAZAAAAAEAAABAAAAAAAAAAAAAAAAAAAAAAAAAAAAAAAAAAAAAAAAAAAAAAAAAAAAAAAAAAAAAAAAAAAAAAAAAAAAAAAAAAAAAAAAAAAAAAAAAAAAAAAAAAAAAAAAAAAAAFAAAADwAAAAAAAAAAAAAAAAAAAkUAAAAAQAAABQAAAAUAAAAFAAAAAEAAAAAAAAAZAAAAGQAAAAAAAAAZAAAAGQAAAAVAAAAYAAAAAAAAAAAAAAADwAAACADAAAAAAAAAAAAAAEAAACgMgAAVgcAAKr4//8BAAAAf39/AAEAAABkAAAAAAAAABQAAABAHwAAAAAAACYAAAAAAAAAwOD//wAAAAAmAAAAZAAAABYAAABMAAAAAAAAAAAAAAAEAAAAAAAAAAEAAACAgIAKAAAAACgAAAAoAAAAZAAAAGQAAAAAAAAAzMzMAAAAAABQAAAAUAAAAGQAAABkAAAAAAAAABcAAAAUAAAAAAAAAAAAAAD/fwAA/38AAAAAAAAJAAAABAAAAGE6c3AeAAAAaAAAAAAAAAAAAAAAAAAAAAAAAAAAAAAAECcAABAnAAAAAAAAAAAAAAAAAAAAAAAAAAAAAAAAAAAAAAAAAAAAABQAAAAAAAAAwMD/AAAAAABkAAAAMgAAAAAAAABkAAAAAAAAAH9/fwAKAAAAIgAAABgAAAAAAAAAAAAAAAAAAAAAAAAAAAAAAAAAAAAkAAAAJAAAAAAAAAAHAAAAAAAAAAAAAAAAAAAAAAAAAAAAAAAAAAAAf39/ACUAAABYAAAAAAAAAAAAAAAAAAAAAAAAAAAAAAAAAAAAAAAAAAAAAAAAAAAAAAAAAAAAAAA/AAAAAAAAAKCGAQAAAAAAAAAAAAAAAAAMAAAAAQAAAAAAAAAAAAAAAAAAAB8AAABUAAAAAAAABQAAAAEAAAAAAAAAAAAAAAAAAAAAAAAAAAAAAAAAAAAAAAAAAAAAAAJ/f38AAAAAA8zMzADAwP8Af39/AAAAAAAAAAAAAAAAAAAAAAAAAAAAIQAAABgAAAAUAAAAoRkAABsnAABfMQAAWSkAABAAAAAmAAAACAAAAAAAAAAAAAAA"/>
+                <pr:smNativeData xmlns:pr="smNativeData" xmlns="smNativeData" val="SMDATA_15_SSBGaRMAAAAlAAAAZAAAAA0AAAAAkAAAAEgAAACQAAAASAAAAAAAAAABAAAAAAAAAAEAAABQAAAAAAAAAAAA4D8AAAAAAADgPwAAAAAAAOA/AAAAAAAA4D8AAAAAAADgPwAAAAAAAOA/AAAAAAAA4D8AAAAAAADgPwAAAAAAAOA/AAAAAAAA4D8CAAAAjAAAAAAAAAAAAAAAu+DjDP///wgAAAAAAAAAAAAAAAAAAAAAAAAAAAAAAAAAAAAAZAAAAAEAAABAAAAAAAAAAAAAAAAAAAAAAAAAAAAAAAAAAAAAAAAAAAAAAAAAAAAAAAAAAAAAAAAAAAAAAAAAAAAAAAAAAAAAAAAAAAAAAAAAAAAAAAAAAAAAAAAAAAAAFAAAADwAAAAAAAAAAAAAAAAAAAkUAAAAAQAAABQAAAAUAAAAFAAAAAEAAAAAAAAAZAAAAGQAAAAAAAAAZAAAAGQAAAAVAAAAYAAAAAAAAAAAAAAADwAAACADAAAAAAAAAAAAAAEAAACgMgAAVgcAAKr4//8BAAAAf39/AAEAAABkAAAAAAAAABQAAABAHwAAAAAAACYAAAAAAAAAwOD//wAAAAAmAAAAZAAAABYAAABMAAAAAAAAAAAAAAAEAAAAAAAAAAEAAACAgIAKAAAAACgAAAAoAAAAZAAAAGQAAAAAAAAAzMzMAAAAAABQAAAAUAAAAGQAAABkAAAAAAAAABcAAAAUAAAAAAAAAAAAAAD/fwAA/38AAAAAAAAJAAAABAAAAAAAAAAeAAAAaAAAAAAAAAAAAAAAAAAAAAAAAAAAAAAAECcAABAnAAAAAAAAAAAAAAAAAAAAAAAAAAAAAAAAAAAAAAAAAAAAABQAAAAAAAAAwMD/AAAAAABkAAAAMgAAAAAAAABkAAAAAAAAAH9/fwAKAAAAIgAAABgAAAAAAAAAAAAAAAAAAAAAAAAAAAAAAAAAAAAkAAAAJAAAAAAAAAAHAAAAAAAAAAAAAAAAAAAAAAAAAAAAAAAAAAAAf39/ACUAAABYAAAAAAAAAAAAAAAAAAAAAAAAAAAAAAAAAAAAAAAAAAAAAAAAAAAAAAAAAAAAAAA/AAAAAAAAAKCGAQAAAAAAAAAAAAAAAAAMAAAAAQAAAAAAAAAAAAAAAAAAAB8AAABUAAAAAAAABQAAAAEAAAAAAAAAAAAAAAAAAAAAAAAAAAAAAAAAAAAAAAAAAAAAAAJ/f38AAAAAA8zMzADAwP8Af39/AAAAAAAAAAAAAAAAAAAAAAAAAAAAIQAAABgAAAAUAAAAoRkAABsnAABfMQAAWSkAABAAAAAmAAAACAAAAAAAAAAAAAAA"/>
               </a:ext>
             </a:extLst>
           </p:cNvSpPr>
@@ -566,7 +565,7 @@
           <a:bodyPr/>
           <a:lstStyle/>
           <a:p>
-            <a:endParaRPr/>
+            <a:pPr/>
           </a:p>
         </p:txBody>
       </p:sp>
@@ -577,7 +576,7 @@
             <a:spLocks noGrp="1" noChangeArrowheads="1"/>
             <a:extLst>
               <a:ext uri="smNativeData">
-                <pr:smNativeData xmlns="smNativeData" xmlns:pr="smNativeData" xmlns:p15="http://schemas.microsoft.com/office/powerpoint/2012/main" xmlns:p14="http://schemas.microsoft.com/office/powerpoint/2010/main" xmlns:mc="http://schemas.openxmlformats.org/markup-compatibility/2006" val="SMDATA_15_wwJCaRMAAAAlAAAAZAAAAA8BAAAAkAAAAEgAAACQAAAASAAAAAAAAAABAAAAAAAAAAEAAABQAAAAAAAAAAAA4D8AAAAAAADgPwAAAAAAAOA/AAAAAAAA4D8AAAAAAADgPwAAAAAAAOA/AAAAAAAA4D8AAAAAAADgPwAAAAAAAOA/AAAAAAAA4D8CAAAAjAAAAAAAAAAAAAAAu+DjDP///wgAAAAAAAAAAAAAAAAAAAAAAAAAAAAAAAAAAAAAZAAAAAEAAABAAAAAAAAAAAAAAAAAAAAAAAAAAAAAAAAAAAAAAAAAAAAAAAAAAAAAAAAAAAAAAAAAAAAAAAAAAAAAAAAAAAAAAAAAAAAAAAAAAAAAAAAAAAAAAAAAAAAAFAAAADwAAAAAAAAAAAAAAAAAAAkUAAAAAQAAABQAAAAUAAAAFAAAAAEAAAAAAAAAZAAAAGQAAAAAAAAAZAAAAGQAAAAVAAAAYAAAAAAAAAAAAAAADwAAACADAAAAAAAAAAAAAAEAAACgMgAAVgcAAKr4//8BAAAAf39/AAEAAABkAAAAAAAAABQAAABAHwAAAAAAACYAAAAAAAAAwOD//wAAAAAmAAAAZAAAABYAAABMAAAAAAAAAAAAAAAEAAAAAAAAAAEAAACAgIAKAAAAACgAAAAoAAAAZAAAAGQAAAAAAAAAzMzMAAAAAABQAAAAUAAAAGQAAABkAAAAAAAAABcAAAAUAAAAAAAAAAAAAAD/fwAA/38AAAAAAAAJAAAABAAAAAAAAAAeAAAAaAAAAAAAAAAAAAAAAAAAAAAAAAAAAAAAECcAABAnAAAAAAAAAAAAAAAAAAAAAAAAAAAAAAAAAAAAAAAAAAAAABQAAAAAAAAAwMD/AAAAAABkAAAAMgAAAAAAAABkAAAAAAAAAH9/fwAKAAAAIgAAABgAAAAAAAAAAAAAAAAAAAAAAAAAAAAAAAAAAAAkAAAAJAAAAAAAAAAHAAAAAAAAAAAAAAAAAAAAAAAAAAAAAAAAAAAAf39/ACUAAABYAAAAAAAAAAAAAAAAAAAAAAAAAAAAAAAAAAAAAAAAAAAAAAAAAAAAAAAAAAAAAAA/AAAAAAAAAKCGAQAAAAAAAAAAAAAAAAAMAAAAAQAAAAAAAAAAAAAAAAAAAB8AAABUAAAAAAAABQAAAAEAAAAAAAAAAAAAAAAAAAAAAAAAAAAAAAAAAAAAAAAAAAAAAAJ/f38AAAAAA8zMzADAwP8Af39/AAAAAAAAAAAAAAAAAAAAAAAAAAAAIQAAABgAAAAUAAAAwTUAABsnAABARwAAWSkAABAAAAAmAAAACAAAAAAAAAAAAAAA"/>
+                <pr:smNativeData xmlns:pr="smNativeData" xmlns="smNativeData" val="SMDATA_15_SSBGaRMAAAAlAAAAZAAAAA0AAAAAkAAAAEgAAACQAAAASAAAAAAAAAABAAAAAAAAAAEAAABQAAAAAAAAAAAA4D8AAAAAAADgPwAAAAAAAOA/AAAAAAAA4D8AAAAAAADgPwAAAAAAAOA/AAAAAAAA4D8AAAAAAADgPwAAAAAAAOA/AAAAAAAA4D8CAAAAjAAAAAAAAAAAAAAAu+DjDP///wgAAAAAAAAAAAAAAAAAAAAAAAAAAAAAAAAAAAAAZAAAAAEAAABAAAAAAAAAAAAAAAAAAAAAAAAAAAAAAAAAAAAAAAAAAAAAAAAAAAAAAAAAAAAAAAAAAAAAAAAAAAAAAAAAAAAAAAAAAAAAAAAAAAAAAAAAAAAAAAAAAAAAFAAAADwAAAAAAAAAAAAAAAAAAAkUAAAAAQAAABQAAAAUAAAAFAAAAAEAAAAAAAAAZAAAAGQAAAAAAAAAZAAAAGQAAAAVAAAAYAAAAAAAAAAAAAAADwAAACADAAAAAAAAAAAAAAEAAACgMgAAVgcAAKr4//8BAAAAf39/AAEAAABkAAAAAAAAABQAAABAHwAAAAAAACYAAAAAAAAAwOD//wAAAAAmAAAAZAAAABYAAABMAAAAAAAAAAAAAAAEAAAAAAAAAAEAAACAgIAKAAAAACgAAAAoAAAAZAAAAGQAAAAAAAAAzMzMAAAAAABQAAAAUAAAAGQAAABkAAAAAAAAABcAAAAUAAAAAAAAAAAAAAD/fwAA/38AAAAAAAAJAAAABAAAAAAAAAAeAAAAaAAAAAAAAAAAAAAAAAAAAAAAAAAAAAAAECcAABAnAAAAAAAAAAAAAAAAAAAAAAAAAAAAAAAAAAAAAAAAAAAAABQAAAAAAAAAwMD/AAAAAABkAAAAMgAAAAAAAABkAAAAAAAAAH9/fwAKAAAAIgAAABgAAAAAAAAAAAAAAAAAAAAAAAAAAAAAAAAAAAAkAAAAJAAAAAAAAAAHAAAAAAAAAAAAAAAAAAAAAAAAAAAAAAAAAAAAf39/ACUAAABYAAAAAAAAAAAAAAAAAAAAAAAAAAAAAAAAAAAAAAAAAAAAAAAAAAAAAAAAAAAAAAA/AAAAAAAAAKCGAQAAAAAAAAAAAAAAAAAMAAAAAQAAAAAAAAAAAAAAAAAAAB8AAABUAAAAAAAABQAAAAEAAAAAAAAAAAAAAAAAAAAAAAAAAAAAAAAAAAAAAAAAAAAAAAJ/f38AAAAAA8zMzADAwP8Af39/AAAAAAAAAAAAAAAAAAAAAAAAAAAAIQAAABgAAAAUAAAAwTUAABsnAABARwAAWSkAABAAAAAmAAAACAAAAAAAAAAAAAAA"/>
               </a:ext>
             </a:extLst>
           </p:cNvSpPr>
@@ -590,10 +589,10 @@
           <a:bodyPr/>
           <a:lstStyle/>
           <a:p>
-            <a:fld id="{2B3A23AE-E0C6-6FD5-8882-16806DCC7E43}" type="slidenum">
+            <a:pPr/>
+            <a:fld id="{1B0E93E5-ABF6-5B65-B8B6-5D30DDF84E08}" type="slidenum">
               <a:t>‹#›</a:t>
             </a:fld>
-            <a:endParaRPr/>
           </a:p>
         </p:txBody>
       </p:sp>
@@ -607,7 +606,7 @@
 </file>
 
 <file path=ppt/slideLayouts/slideLayout11.xml><?xml version="1.0" encoding="utf-8"?>
-<p:sldLayout xmlns:a="http://schemas.openxmlformats.org/drawingml/2006/main" xmlns:r="http://schemas.openxmlformats.org/officeDocument/2006/relationships" xmlns:p="http://schemas.openxmlformats.org/presentationml/2006/main" type="vertTitleAndTx">
+<p:sldLayout xmlns:p="http://schemas.openxmlformats.org/presentationml/2006/main" xmlns:mc="http://schemas.openxmlformats.org/markup-compatibility/2006" xmlns:p14="http://schemas.microsoft.com/office/powerpoint/2010/main" xmlns:p15="http://schemas.microsoft.com/office/powerpoint/2012/main" xmlns:r="http://schemas.openxmlformats.org/officeDocument/2006/relationships" xmlns:a="http://schemas.openxmlformats.org/drawingml/2006/main" type="vertTitleAndTx">
   <p:cSld name="Vertical title and text">
     <p:spTree>
       <p:nvGrpSpPr>
@@ -630,7 +629,7 @@
             <a:spLocks noGrp="1" noChangeArrowheads="1"/>
             <a:extLst>
               <a:ext uri="smNativeData">
-                <pr:smNativeData xmlns="smNativeData" xmlns:pr="smNativeData" xmlns:p15="http://schemas.microsoft.com/office/powerpoint/2012/main" xmlns:p14="http://schemas.microsoft.com/office/powerpoint/2010/main" xmlns:mc="http://schemas.openxmlformats.org/markup-compatibility/2006" val="SMDATA_15_wwJCaRMAAAAlAAAAZAAAAA8BAAAAkAAAAEgAAACQAAAASAAAAAAAAAACAAAAAQAAAAEAAABQAAAAAAAAAAAA4D8AAAAAAADgPwAAAAAAAOA/AAAAAAAA4D8AAAAAAADgPwAAAAAAAOA/AAAAAAAA4D8AAAAAAADgPwAAAAAAAOA/AAAAAAAA4D8CAAAAjAAAAAAAAAAAAAAAu+DjDP///wgAAAAAAAAAAAAAAAAAAAAAAAAAAAAAAAAAAAAAZAAAAAEAAABAAAAAAAAAAAAAAAAAAAAAAAAAAAAAAAAAAAAAAAAAAAAAAAAAAAAAAAAAAAAAAAAAAAAAAAAAAAAAAAAAAAAAAAAAAAAAAAAAAAAAAAAAAAAAAAAAAAAAFAAAADwAAAAAAAAAAAAAAAAAAAkUAAAAAQAAABQAAAAUAAAAFAAAAAEAAAAAAAAAZAAAAGQAAAAAAAAAZAAAAGQAAAAVAAAAYAAAAAAAAAAAAAAADwAAACADAAAAAAAAAAAAAAEAAACgMgAAVgcAAKr4//8BAAAAf39/AAEAAABkAAAAAAAAABQAAABAHwAAAAAAACYAAAAAAAAAwOD//wAAAAAmAAAAZAAAABYAAABMAAAAAAAAAAAAAAAEAAAAAAAAAAEAAACAgIAKAAAAACgAAAAoAAAAZAAAAGQAAAAAAAAAzMzMAAAAAABQAAAAUAAAAGQAAABkAAAAAAAAABcAAAAUAAAAAAAAAAAAAAD/fwAA/38AAAAAAAAJAAAABAAAAAAAAAAeAAAAaAAAAAAAAAAAAAAAAAAAAAAAAAAAAAAAECcAABAnAAAAAAAAAAAAAAAAAAAAAAAAAAAAAAAAAAAAAAAAAAAAABQAAAAAAAAAwMD/AAAAAABkAAAAMgAAAAAAAABkAAAAAAAAAH9/fwAKAAAAIgAAABgAAAAAAAAAAAAAAAAAAAAAAAAAAAAAAAAAAAAkAAAAJAAAAAAAAAAHAAAAAAAAAAAAAAAAAAAAAAAAAAAAAAAAAAAAf39/ACUAAABYAAAAAAAAAAAAAAAAAAAAAAAAAAAAAAAAAAAAAAAAAAAAAAAAAAAAAAAAAAAAAAA/AAAAAAAAAKCGAQAAAAAAAAAAAAAAAAAMAAAAAQAAAAAAAAAAAAAAAAAAAB8AAABUAAAAAAAABQAAAAEAAAAAAAAAAAAAAAAAAAAAAAAAAAAAAAAAAAAAAAAAAAAAAAJ/f38AAAAAA8zMzADAwP8Af39/AAAAAAAAAAAAAAAAAAAAAAAAAAAAIQAAABgAAAAUAAAAYDYAALABAABARwAAsCUAABAAAAAmAAAACAAAAIMAAAAAAAAA"/>
+                <pr:smNativeData xmlns:pr="smNativeData" xmlns="smNativeData" val="SMDATA_15_SSBGaRMAAAAlAAAAZAAAAA0AAAAAkAAAAEgAAACQAAAASAAAAAAAAAACAAAAAQAAAAEAAABQAAAAAAAAAAAA4D8AAAAAAADgPwAAAAAAAOA/AAAAAAAA4D8AAAAAAADgPwAAAAAAAOA/AAAAAAAA4D8AAAAAAADgPwAAAAAAAOA/AAAAAAAA4D8CAAAAjAAAAAAAAAAAAAAAu+DjDP///wgAAAAAAAAAAAAAAAAAAAAAAAAAAAAAAAAAAAAAZAAAAAEAAABAAAAAAAAAAAAAAAAAAAAAAAAAAAAAAAAAAAAAAAAAAAAAAAAAAAAAAAAAAAAAAAAAAAAAAAAAAAAAAAAAAAAAAAAAAAAAAAAAAAAAAAAAAAAAAAAAAAAAFAAAADwAAAAAAAAAAAAAAAAAAAkUAAAAAQAAABQAAAAUAAAAFAAAAAEAAAAAAAAAZAAAAGQAAAAAAAAAZAAAAGQAAAAVAAAAYAAAAAAAAAAAAAAADwAAACADAAAAAAAAAAAAAAEAAACgMgAAVgcAAKr4//8BAAAAf39/AAEAAABkAAAAAAAAABQAAABAHwAAAAAAACYAAAAAAAAAwOD//wAAAAAmAAAAZAAAABYAAABMAAAAAAAAAAAAAAAEAAAAAAAAAAEAAACAgIAKAAAAACgAAAAoAAAAZAAAAGQAAAAAAAAAzMzMAAAAAABQAAAAUAAAAGQAAABkAAAAAAAAABcAAAAUAAAAAAAAAAAAAAD/fwAA/38AAAAAAAAJAAAABAAAAAAAAAAeAAAAaAAAAAAAAAAAAAAAAAAAAAAAAAAAAAAAECcAABAnAAAAAAAAAAAAAAAAAAAAAAAAAAAAAAAAAAAAAAAAAAAAABQAAAAAAAAAwMD/AAAAAABkAAAAMgAAAAAAAABkAAAAAAAAAH9/fwAKAAAAIgAAABgAAAAAAAAAAAAAAAAAAAAAAAAAAAAAAAAAAAAkAAAAJAAAAAAAAAAHAAAAAAAAAAAAAAAAAAAAAAAAAAAAAAAAAAAAf39/ACUAAABYAAAAAAAAAAAAAAAAAAAAAAAAAAAAAAAAAAAAAAAAAAAAAAAAAAAAAAAAAAAAAAA/AAAAAAAAAKCGAQAAAAAAAAAAAAAAAAAMAAAAAQAAAAAAAAAAAAAAAAAAAB8AAABUAAAAAAAABQAAAAEAAAAAAAAAAAAAAAAAAAAAAAAAAAAAAAAAAAAAAAAAAAAAAAJ/f38AAAAAA8zMzADAwP8Af39/AAAAAAAAAAAAAAAAAAAAAAAAAAAAIQAAABgAAAAUAAAAYDYAALABAABARwAAsCUAABAAAAAmAAAACAAAAIMQAAAAAAAA"/>
               </a:ext>
             </a:extLst>
           </p:cNvSpPr>
@@ -645,13 +644,14 @@
           </a:xfrm>
         </p:spPr>
         <p:txBody>
-          <a:bodyPr vert="vert" wrap="square" numCol="1" spcCol="215900" anchor="b">
+          <a:bodyPr vert="vert" wrap="square" lIns="91440" tIns="45720" rIns="91440" bIns="45720" numCol="1" spcCol="215900" anchor="b">
             <a:prstTxWarp prst="textNoShape">
               <a:avLst/>
             </a:prstTxWarp>
           </a:bodyPr>
           <a:lstStyle/>
           <a:p>
+            <a:pPr/>
             <a:r>
               <a:t>Click to edit Master title style</a:t>
             </a:r>
@@ -665,7 +665,7 @@
             <a:spLocks noGrp="1" noChangeArrowheads="1"/>
             <a:extLst>
               <a:ext uri="smNativeData">
-                <pr:smNativeData xmlns="smNativeData" xmlns:pr="smNativeData" xmlns:p15="http://schemas.microsoft.com/office/powerpoint/2012/main" xmlns:p14="http://schemas.microsoft.com/office/powerpoint/2010/main" xmlns:mc="http://schemas.openxmlformats.org/markup-compatibility/2006" val="SMDATA_15_wwJCaRMAAAAlAAAAZAAAAA8BAAAAkAAAAEgAAACQAAAASAAAAAAAAAAAAAAAAQAAAAEAAABQAAAAAAAAAAAA4D8AAAAAAADgPwAAAAAAAOA/AAAAAAAA4D8AAAAAAADgPwAAAAAAAOA/AAAAAAAA4D8AAAAAAADgPwAAAAAAAOA/AAAAAAAA4D8CAAAAjAAAAAAAAAAAAAAAu+DjDP///wgAAAAAAAAAAAAAAAAAAAAAAAAAAAAAAAAAAAAAZAAAAAEAAABAAAAAAAAAAAAAAAAAAAAAAAAAAAAAAAAAAAAAAAAAAAAAAAAAAAAAAAAAAAAAAAAAAAAAAAAAAAAAAAAAAAAAAAAAAAAAAAAAAAAAAAAAAAAAAAAAAAAAFAAAADwAAAAAAAAAAAAAAAAAAAkUAAAAAQAAABQAAAAUAAAAFAAAAAEAAAAAAAAAZAAAAGQAAAAAAAAAZAAAAGQAAAAVAAAAYAAAAAAAAAAAAAAADwAAACADAAAAAAAAAAAAAAEAAACgMgAAVgcAAKr4//8BAAAAf39/AAEAAABkAAAAAAAAABQAAABAHwAAAAAAACYAAAAAAAAAwOD//wAAAAAmAAAAZAAAABYAAABMAAAAAAAAAAAAAAAEAAAAAAAAAAEAAACAgIAKAAAAACgAAAAoAAAAZAAAAGQAAAAAAAAAzMzMAAAAAABQAAAAUAAAAGQAAABkAAAAAAAAABcAAAAUAAAAAAAAAAAAAAD/fwAA/38AAAAAAAAJAAAABAAAAAAAAAAeAAAAaAAAAAAAAAAAAAAAAAAAAAAAAAAAAAAAECcAABAnAAAAAAAAAAAAAAAAAAAAAAAAAAAAAAAAAAAAAAAAAAAAABQAAAAAAAAAwMD/AAAAAABkAAAAMgAAAAAAAABkAAAAAAAAAH9/fwAKAAAAIgAAABgAAAAAAAAAAAAAAAAAAAAAAAAAAAAAAAAAAAAkAAAAJAAAAAAAAAAHAAAAAAAAAAAAAAAAAAAAAAAAAAAAAAAAAAAAf39/ACUAAABYAAAAAAAAAAAAAAAAAAAAAAAAAAAAAAAAAAAAAAAAAAAAAAAAAAAAAAAAAAAAAAA/AAAAAAAAAKCGAQAAAAAAAAAAAAAAAAAMAAAAAQAAAAAAAAAAAAAAAAAAAB8AAABUAAAAAAAABQAAAAEAAAAAAAAAAAAAAAAAAAAAAAAAAAAAAAAAAAAAAAAAAAAAAAJ/f38AAAAAA8zMzADAwP8Af39/AAAAAAAAAAAAAAAAAAAAAAAAAAAAIQAAABgAAAAUAAAAwAMAALABAAAfNQAAsCUAABAAAAAmAAAACAAAAAMAAAAAAAAA"/>
+                <pr:smNativeData xmlns:pr="smNativeData" xmlns="smNativeData" val="SMDATA_15_SSBGaRMAAAAlAAAAZAAAAA0AAAAAkAAAAEgAAACQAAAASAAAAAAAAAAAAAAAAQAAAAEAAABQAAAAAAAAAAAA4D8AAAAAAADgPwAAAAAAAOA/AAAAAAAA4D8AAAAAAADgPwAAAAAAAOA/AAAAAAAA4D8AAAAAAADgPwAAAAAAAOA/AAAAAAAA4D8CAAAAjAAAAAAAAAAAAAAAu+DjDP///wgAAAAAAAAAAAAAAAAAAAAAAAAAAAAAAAAAAAAAZAAAAAEAAABAAAAAAAAAAAAAAAAAAAAAAAAAAAAAAAAAAAAAAAAAAAAAAAAAAAAAAAAAAAAAAAAAAAAAAAAAAAAAAAAAAAAAAAAAAAAAAAAAAAAAAAAAAAAAAAAAAAAAFAAAADwAAAAAAAAAAAAAAAAAAAkUAAAAAQAAABQAAAAUAAAAFAAAAAEAAAAAAAAAZAAAAGQAAAAAAAAAZAAAAGQAAAAVAAAAYAAAAAAAAAAAAAAADwAAACADAAAAAAAAAAAAAAEAAACgMgAAVgcAAKr4//8BAAAAf39/AAEAAABkAAAAAAAAABQAAABAHwAAAAAAACYAAAAAAAAAwOD//wAAAAAmAAAAZAAAABYAAABMAAAAAAAAAAAAAAAEAAAAAAAAAAEAAACAgIAKAAAAACgAAAAoAAAAZAAAAGQAAAAAAAAAzMzMAAAAAABQAAAAUAAAAGQAAABkAAAAAAAAABcAAAAUAAAAAAAAAAAAAAD/fwAA/38AAAAAAAAJAAAABAAAAAAAAAAeAAAAaAAAAAAAAAAAAAAAAAAAAAAAAAAAAAAAECcAABAnAAAAAAAAAAAAAAAAAAAAAAAAAAAAAAAAAAAAAAAAAAAAABQAAAAAAAAAwMD/AAAAAABkAAAAMgAAAAAAAABkAAAAAAAAAH9/fwAKAAAAIgAAABgAAAAAAAAAAAAAAAAAAAAAAAAAAAAAAAAAAAAkAAAAJAAAAAAAAAAHAAAAAAAAAAAAAAAAAAAAAAAAAAAAAAAAAAAAf39/ACUAAABYAAAAAAAAAAAAAAAAAAAAAAAAAAAAAAAAAAAAAAAAAAAAAAAAAAAAAAAAAAAAAAA/AAAAAAAAAKCGAQAAAAAAAAAAAAAAAAAMAAAAAQAAAAAAAAAAAAAAAAAAAB8AAABUAAAAAAAABQAAAAEAAAAAAAAAAAAAAAAAAAAAAAAAAAAAAAAAAAAAAAAAAAAAAAJ/f38AAAAAA8zMzADAwP8Af39/AAAAAAAAAAAAAAAAAAAAAAAAAAAAIQAAABgAAAAUAAAAwAMAALABAAAfNQAAsCUAABAAAAAmAAAACAAAAAMQAAAAAAAA"/>
               </a:ext>
             </a:extLst>
           </p:cNvSpPr>
@@ -680,13 +680,14 @@
           </a:xfrm>
         </p:spPr>
         <p:txBody>
-          <a:bodyPr vert="vert" wrap="square" numCol="1" spcCol="215900" anchor="t">
+          <a:bodyPr vert="vert" wrap="square" lIns="91440" tIns="45720" rIns="91440" bIns="45720" numCol="1" spcCol="215900" anchor="t">
             <a:prstTxWarp prst="textNoShape">
               <a:avLst/>
             </a:prstTxWarp>
           </a:bodyPr>
           <a:lstStyle/>
           <a:p>
+            <a:pPr/>
             <a:r>
               <a:t>Click to edit Master text styles</a:t>
             </a:r>
@@ -724,7 +725,7 @@
             <a:spLocks noGrp="1" noChangeArrowheads="1"/>
             <a:extLst>
               <a:ext uri="smNativeData">
-                <pr:smNativeData xmlns="smNativeData" xmlns:pr="smNativeData" xmlns:p15="http://schemas.microsoft.com/office/powerpoint/2012/main" xmlns:p14="http://schemas.microsoft.com/office/powerpoint/2010/main" xmlns:mc="http://schemas.openxmlformats.org/markup-compatibility/2006" val="SMDATA_15_wwJCaRMAAAAlAAAAZAAAAA8BAAAAkAAAAEgAAACQAAAASAAAAAAAAAABAAAAAAAAAAEAAABQAAAAAAAAAAAA4D8AAAAAAADgPwAAAAAAAOA/AAAAAAAA4D8AAAAAAADgPwAAAAAAAOA/AAAAAAAA4D8AAAAAAADgPwAAAAAAAOA/AAAAAAAA4D8CAAAAjAAAAAAAAAAAAAAAu+DjDP///wgAAAAAAAAAAAAAAAAAAAAAAAAAAAAAAAAAAAAAZAAAAAEAAABAAAAAAAAAAAAAAAAAAAAAAAAAAAAAAAAAAAAAAAAAAAAAAAAAAAAAAAAAAAAAAAAAAAAAAAAAAAAAAAAAAAAAAAAAAAAAAAAAAAAAAAAAAAAAAAAAAAAAFAAAADwAAAAAAAAAAAAAAAAAAAkUAAAAAQAAABQAAAAUAAAAFAAAAAEAAAAAAAAAZAAAAGQAAAAAAAAAZAAAAGQAAAAVAAAAYAAAAAAAAAAAAAAADwAAACADAAAAAAAAAAAAAAEAAACgMgAAVgcAAKr4//8BAAAAf39/AAEAAABkAAAAAAAAABQAAABAHwAAAAAAACYAAAAAAAAAwOD//wAAAAAmAAAAZAAAABYAAABMAAAAAAAAAAAAAAAEAAAAAAAAAAEAAACAgIAKAAAAACgAAAAoAAAAZAAAAGQAAAAAAAAAzMzMAAAAAABQAAAAUAAAAGQAAABkAAAAAAAAABcAAAAUAAAAAAAAAAAAAAD/fwAA/38AAAAAAAAJAAAABAAAAAAAAAAeAAAAaAAAAAAAAAAAAAAAAAAAAAAAAAAAAAAAECcAABAnAAAAAAAAAAAAAAAAAAAAAAAAAAAAAAAAAAAAAAAAAAAAABQAAAAAAAAAwMD/AAAAAABkAAAAMgAAAAAAAABkAAAAAAAAAH9/fwAKAAAAIgAAABgAAAAAAAAAAAAAAAAAAAAAAAAAAAAAAAAAAAAkAAAAJAAAAAAAAAAHAAAAAAAAAAAAAAAAAAAAAAAAAAAAAAAAAAAAf39/ACUAAABYAAAAAAAAAAAAAAAAAAAAAAAAAAAAAAAAAAAAAAAAAAAAAAAAAAAAAAAAAAAAAAA/AAAAAAAAAKCGAQAAAAAAAAAAAAAAAAAMAAAAAQAAAAAAAAAAAAAAAAAAAB8AAABUAAAAAAAABQAAAAEAAAAAAAAAAAAAAAAAAAAAAAAAAAAAAAAAAAAAAAAAAAAAAAJ/f38AAAAAA8zMzADAwP8Af39/AAAAAAAAAAAAAAAAAAAAAAAAAAAAIQAAABgAAAAUAAAAwAMAABsnAAA/FQAAWSkAABAAAAAmAAAACAAAAAAAAAAAAAAA"/>
+                <pr:smNativeData xmlns:pr="smNativeData" xmlns="smNativeData" val="SMDATA_15_SSBGaRMAAAAlAAAAZAAAAA0AAAAAkAAAAEgAAACQAAAASAAAAAAAAAABAAAAAAAAAAEAAABQAAAAAAAAAAAA4D8AAAAAAADgPwAAAAAAAOA/AAAAAAAA4D8AAAAAAADgPwAAAAAAAOA/AAAAAAAA4D8AAAAAAADgPwAAAAAAAOA/AAAAAAAA4D8CAAAAjAAAAAAAAAAAAAAAu+DjDP///wgAAAAAAAAAAAAAAAAAAAAAAAAAAAAAAAAAAAAAZAAAAAEAAABAAAAAAAAAAAAAAAAAAAAAAAAAAAAAAAAAAAAAAAAAAAAAAAAAAAAAAAAAAAAAAAAAAAAAAAAAAAAAAAAAAAAAAAAAAAAAAAAAAAAAAAAAAAAAAAAAAAAAFAAAADwAAAAAAAAAAAAAAAAAAAkUAAAAAQAAABQAAAAUAAAAFAAAAAEAAAAAAAAAZAAAAGQAAAAAAAAAZAAAAGQAAAAVAAAAYAAAAAAAAAAAAAAADwAAACADAAAAAAAAAAAAAAEAAACgMgAAVgcAAKr4//8BAAAAf39/AAEAAABkAAAAAAAAABQAAABAHwAAAAAAACYAAAAAAAAAwOD//wAAAAAmAAAAZAAAABYAAABMAAAAAAAAAAAAAAAEAAAAAAAAAAEAAACAgIAKAAAAACgAAAAoAAAAZAAAAGQAAAAAAAAAzMzMAAAAAABQAAAAUAAAAGQAAABkAAAAAAAAABcAAAAUAAAAAAAAAAAAAAD/fwAA/38AAAAAAAAJAAAABAAAAAAAAAAeAAAAaAAAAAAAAAAAAAAAAAAAAAAAAAAAAAAAECcAABAnAAAAAAAAAAAAAAAAAAAAAAAAAAAAAAAAAAAAAAAAAAAAABQAAAAAAAAAwMD/AAAAAABkAAAAMgAAAAAAAABkAAAAAAAAAH9/fwAKAAAAIgAAABgAAAAAAAAAAAAAAAAAAAAAAAAAAAAAAAAAAAAkAAAAJAAAAAAAAAAHAAAAAAAAAAAAAAAAAAAAAAAAAAAAAAAAAAAAf39/ACUAAABYAAAAAAAAAAAAAAAAAAAAAAAAAAAAAAAAAAAAAAAAAAAAAAAAAAAAAAAAAAAAAAA/AAAAAAAAAKCGAQAAAAAAAAAAAAAAAAAMAAAAAQAAAAAAAAAAAAAAAAAAAB8AAABUAAAAAAAABQAAAAEAAAAAAAAAAAAAAAAAAAAAAAAAAAAAAAAAAAAAAAAAAAAAAAJ/f38AAAAAA8zMzADAwP8Af39/AAAAAAAAAAAAAAAAAAAAAAAAAAAAIQAAABgAAAAUAAAAwAMAABsnAAA/FQAAWSkAABAAAAAmAAAACAAAAAAAAAAAAAAA"/>
               </a:ext>
             </a:extLst>
           </p:cNvSpPr>
@@ -737,10 +738,10 @@
           <a:bodyPr/>
           <a:lstStyle/>
           <a:p>
-            <a:fld id="{2B3A1A1E-50C6-6FEC-8882-A6B954CC7EF3}" type="datetime1">
+            <a:pPr/>
+            <a:fld id="{1B0E85ED-A3F6-5B73-B8B6-5526CBF84E00}" type="datetime1">
               <a:t>12/16/2025</a:t>
             </a:fld>
-            <a:endParaRPr/>
           </a:p>
         </p:txBody>
       </p:sp>
@@ -751,7 +752,7 @@
             <a:spLocks noGrp="1" noChangeArrowheads="1"/>
             <a:extLst>
               <a:ext uri="smNativeData">
-                <pr:smNativeData xmlns="smNativeData" xmlns:pr="smNativeData" xmlns:p15="http://schemas.microsoft.com/office/powerpoint/2012/main" xmlns:p14="http://schemas.microsoft.com/office/powerpoint/2010/main" xmlns:mc="http://schemas.openxmlformats.org/markup-compatibility/2006" val="SMDATA_15_wwJCaRMAAAAlAAAAZAAAAA8BAAAAkAAAAEgAAACQAAAASAAAAAAAAAABAAAAAAAAAAEAAABQAAAAAAAAAAAA4D8AAAAAAADgPwAAAAAAAOA/AAAAAAAA4D8AAAAAAADgPwAAAAAAAOA/AAAAAAAA4D8AAAAAAADgPwAAAAAAAOA/AAAAAAAA4D8CAAAAjAAAAAAAAAAAAAAAu+DjDP///wgAAAAAAAAAAAAAAAAAAAAAAAAAAAAAAAAAAAAAZAAAAAEAAABAAAAAAAAAAAAAAAAAAAAAAAAAAAAAAAAAAAAAAAAAAAAAAAAAAAAAAAAAAAAAAAAAAAAAAAAAAAAAAAAAAAAAAAAAAAAAAAAAAAAAAAAAAAAAAAAAAAAAFAAAADwAAAAAAAAAAAAAAAAAAAkUAAAAAQAAABQAAAAUAAAAFAAAAAEAAAAAAAAAZAAAAGQAAAAAAAAAZAAAAGQAAAAVAAAAYAAAAAAAAAAAAAAADwAAACADAAAAAAAAAAAAAAEAAACgMgAAVgcAAKr4//8BAAAAf39/AAEAAABkAAAAAAAAABQAAABAHwAAAAAAACYAAAAAAAAAwOD//wAAAAAmAAAAZAAAABYAAABMAAAAAAAAAAAAAAAEAAAAAAAAAAEAAACAgIAKAAAAACgAAAAoAAAAZAAAAGQAAAAAAAAAzMzMAAAAAABQAAAAUAAAAGQAAABkAAAAAAAAABcAAAAUAAAAAAAAAAAAAAD/fwAA/38AAAAAAAAJAAAABAAAAAAAAAAeAAAAaAAAAAAAAAAAAAAAAAAAAAAAAAAAAAAAECcAABAnAAAAAAAAAAAAAAAAAAAAAAAAAAAAAAAAAAAAAAAAAAAAABQAAAAAAAAAwMD/AAAAAABkAAAAMgAAAAAAAABkAAAAAAAAAH9/fwAKAAAAIgAAABgAAAAAAAAAAAAAAAAAAAAAAAAAAAAAAAAAAAAkAAAAJAAAAAAAAAAHAAAAAAAAAAAAAAAAAAAAAAAAAAAAAAAAAAAAf39/ACUAAABYAAAAAAAAAAAAAAAAAAAAAAAAAAAAAAAAAAAAAAAAAAAAAAAAAAAAAAAAAAAAAAA/AAAAAAAAAKCGAQAAAAAAAAAAAAAAAAAMAAAAAQAAAAAAAAAAAAAAAAAAAB8AAABUAAAAAAAABQAAAAEAAAAAAAAAAAAAAAAAAAAAAAAAAAAAAAAAAAAAAAAAAAAAAAJ/f38AAAAAA8zMzADAwP8Af39/AAAAAAAAAAAAAAAAAAAAAAAAAAAAIQAAABgAAAAUAAAAoRkAABsnAABfMQAAWSkAABAAAAAmAAAACAAAAAAAAAAAAAAA"/>
+                <pr:smNativeData xmlns:pr="smNativeData" xmlns="smNativeData" val="SMDATA_15_SSBGaRMAAAAlAAAAZAAAAA0AAAAAkAAAAEgAAACQAAAASAAAAAAAAAABAAAAAAAAAAEAAABQAAAAAAAAAAAA4D8AAAAAAADgPwAAAAAAAOA/AAAAAAAA4D8AAAAAAADgPwAAAAAAAOA/AAAAAAAA4D8AAAAAAADgPwAAAAAAAOA/AAAAAAAA4D8CAAAAjAAAAAAAAAAAAAAAu+DjDP///wgAAAAAAAAAAAAAAAAAAAAAAAAAAAAAAAAAAAAAZAAAAAEAAABAAAAAAAAAAAAAAAAAAAAAAAAAAAAAAAAAAAAAAAAAAAAAAAAAAAAAAAAAAAAAAAAAAAAAAAAAAAAAAAAAAAAAAAAAAAAAAAAAAAAAAAAAAAAAAAAAAAAAFAAAADwAAAAAAAAAAAAAAAAAAAkUAAAAAQAAABQAAAAUAAAAFAAAAAEAAAAAAAAAZAAAAGQAAAAAAAAAZAAAAGQAAAAVAAAAYAAAAAAAAAAAAAAADwAAACADAAAAAAAAAAAAAAEAAACgMgAAVgcAAKr4//8BAAAAf39/AAEAAABkAAAAAAAAABQAAABAHwAAAAAAACYAAAAAAAAAwOD//wAAAAAmAAAAZAAAABYAAABMAAAAAAAAAAAAAAAEAAAAAAAAAAEAAACAgIAKAAAAACgAAAAoAAAAZAAAAGQAAAAAAAAAzMzMAAAAAABQAAAAUAAAAGQAAABkAAAAAAAAABcAAAAUAAAAAAAAAAAAAAD/fwAA/38AAAAAAAAJAAAABAAAAAAAAAAeAAAAaAAAAAAAAAAAAAAAAAAAAAAAAAAAAAAAECcAABAnAAAAAAAAAAAAAAAAAAAAAAAAAAAAAAAAAAAAAAAAAAAAABQAAAAAAAAAwMD/AAAAAABkAAAAMgAAAAAAAABkAAAAAAAAAH9/fwAKAAAAIgAAABgAAAAAAAAAAAAAAAAAAAAAAAAAAAAAAAAAAAAkAAAAJAAAAAAAAAAHAAAAAAAAAAAAAAAAAAAAAAAAAAAAAAAAAAAAf39/ACUAAABYAAAAAAAAAAAAAAAAAAAAAAAAAAAAAAAAAAAAAAAAAAAAAAAAAAAAAAAAAAAAAAA/AAAAAAAAAKCGAQAAAAAAAAAAAAAAAAAMAAAAAQAAAAAAAAAAAAAAAAAAAB8AAABUAAAAAAAABQAAAAEAAAAAAAAAAAAAAAAAAAAAAAAAAAAAAAAAAAAAAAAAAAAAAAJ/f38AAAAAA8zMzADAwP8Af39/AAAAAAAAAAAAAAAAAAAAAAAAAAAAIQAAABgAAAAUAAAAoRkAABsnAABfMQAAWSkAABAAAAAmAAAACAAAAAAAAAAAAAAA"/>
               </a:ext>
             </a:extLst>
           </p:cNvSpPr>
@@ -764,7 +765,7 @@
           <a:bodyPr/>
           <a:lstStyle/>
           <a:p>
-            <a:endParaRPr/>
+            <a:pPr/>
           </a:p>
         </p:txBody>
       </p:sp>
@@ -775,7 +776,7 @@
             <a:spLocks noGrp="1" noChangeArrowheads="1"/>
             <a:extLst>
               <a:ext uri="smNativeData">
-                <pr:smNativeData xmlns="smNativeData" xmlns:pr="smNativeData" xmlns:p15="http://schemas.microsoft.com/office/powerpoint/2012/main" xmlns:p14="http://schemas.microsoft.com/office/powerpoint/2010/main" xmlns:mc="http://schemas.openxmlformats.org/markup-compatibility/2006" val="SMDATA_15_wwJCaRMAAAAlAAAAZAAAAA8BAAAAkAAAAEgAAACQAAAASAAAAAAAAAABAAAAAAAAAAEAAABQAAAAAAAAAAAA4D8AAAAAAADgPwAAAAAAAOA/AAAAAAAA4D8AAAAAAADgPwAAAAAAAOA/AAAAAAAA4D8AAAAAAADgPwAAAAAAAOA/AAAAAAAA4D8CAAAAjAAAAAAAAAAAAAAAu+DjDP///wgAAAAAAAAAAAAAAAAAAAAAAAAAAAAAAAAAAAAAZAAAAAEAAABAAAAAAAAAAAAAAAAAAAAAAAAAAAAAAAAAAAAAAAAAAAAAAAAAAAAAAAAAAAAAAAAAAAAAAAAAAAAAAAAAAAAAAAAAAAAAAAAAAAAAAAAAAAAAAAAAAAAAFAAAADwAAAAAAAAAAAAAAAAAAAkUAAAAAQAAABQAAAAUAAAAFAAAAAEAAAAAAAAAZAAAAGQAAAAAAAAAZAAAAGQAAAAVAAAAYAAAAAAAAAAAAAAADwAAACADAAAAAAAAAAAAAAEAAACgMgAAVgcAAKr4//8BAAAAf39/AAEAAABkAAAAAAAAABQAAABAHwAAAAAAACYAAAAAAAAAwOD//wAAAAAmAAAAZAAAABYAAABMAAAAAAAAAAAAAAAEAAAAAAAAAAEAAACAgIAKAAAAACgAAAAoAAAAZAAAAGQAAAAAAAAAzMzMAAAAAABQAAAAUAAAAGQAAABkAAAAAAAAABcAAAAUAAAAAAAAAAAAAAD/fwAA/38AAAAAAAAJAAAABAAAAAAAAAAeAAAAaAAAAAAAAAAAAAAAAAAAAAAAAAAAAAAAECcAABAnAAAAAAAAAAAAAAAAAAAAAAAAAAAAAAAAAAAAAAAAAAAAABQAAAAAAAAAwMD/AAAAAABkAAAAMgAAAAAAAABkAAAAAAAAAH9/fwAKAAAAIgAAABgAAAAAAAAAAAAAAAAAAAAAAAAAAAAAAAAAAAAkAAAAJAAAAAAAAAAHAAAAAAAAAAAAAAAAAAAAAAAAAAAAAAAAAAAAf39/ACUAAABYAAAAAAAAAAAAAAAAAAAAAAAAAAAAAAAAAAAAAAAAAAAAAAAAAAAAAAAAAAAAAAA/AAAAAAAAAKCGAQAAAAAAAAAAAAAAAAAMAAAAAQAAAAAAAAAAAAAAAAAAAB8AAABUAAAAAAAABQAAAAEAAAAAAAAAAAAAAAAAAAAAAAAAAAAAAAAAAAAAAAAAAAAAAAJ/f38AAAAAA8zMzADAwP8Af39/AAAAAAAAAAAAAAAAAAAAAAAAAAAAIQAAABgAAAAUAAAAwTUAABsnAABARwAAWSkAABAAAAAmAAAACAAAAAAAAAAAAAAA"/>
+                <pr:smNativeData xmlns:pr="smNativeData" xmlns="smNativeData" val="SMDATA_15_SSBGaRMAAAAlAAAAZAAAAA0AAAAAkAAAAEgAAACQAAAASAAAAAAAAAABAAAAAAAAAAEAAABQAAAAAAAAAAAA4D8AAAAAAADgPwAAAAAAAOA/AAAAAAAA4D8AAAAAAADgPwAAAAAAAOA/AAAAAAAA4D8AAAAAAADgPwAAAAAAAOA/AAAAAAAA4D8CAAAAjAAAAAAAAAAAAAAAu+DjDP///wgAAAAAAAAAAAAAAAAAAAAAAAAAAAAAAAAAAAAAZAAAAAEAAABAAAAAAAAAAAAAAAAAAAAAAAAAAAAAAAAAAAAAAAAAAAAAAAAAAAAAAAAAAAAAAAAAAAAAAAAAAAAAAAAAAAAAAAAAAAAAAAAAAAAAAAAAAAAAAAAAAAAAFAAAADwAAAAAAAAAAAAAAAAAAAkUAAAAAQAAABQAAAAUAAAAFAAAAAEAAAAAAAAAZAAAAGQAAAAAAAAAZAAAAGQAAAAVAAAAYAAAAAAAAAAAAAAADwAAACADAAAAAAAAAAAAAAEAAACgMgAAVgcAAKr4//8BAAAAf39/AAEAAABkAAAAAAAAABQAAABAHwAAAAAAACYAAAAAAAAAwOD//wAAAAAmAAAAZAAAABYAAABMAAAAAAAAAAAAAAAEAAAAAAAAAAEAAACAgIAKAAAAACgAAAAoAAAAZAAAAGQAAAAAAAAAzMzMAAAAAABQAAAAUAAAAGQAAABkAAAAAAAAABcAAAAUAAAAAAAAAAAAAAD/fwAA/38AAAAAAAAJAAAABAAAAAAAAAAeAAAAaAAAAAAAAAAAAAAAAAAAAAAAAAAAAAAAECcAABAnAAAAAAAAAAAAAAAAAAAAAAAAAAAAAAAAAAAAAAAAAAAAABQAAAAAAAAAwMD/AAAAAABkAAAAMgAAAAAAAABkAAAAAAAAAH9/fwAKAAAAIgAAABgAAAAAAAAAAAAAAAAAAAAAAAAAAAAAAAAAAAAkAAAAJAAAAAAAAAAHAAAAAAAAAAAAAAAAAAAAAAAAAAAAAAAAAAAAf39/ACUAAABYAAAAAAAAAAAAAAAAAAAAAAAAAAAAAAAAAAAAAAAAAAAAAAAAAAAAAAAAAAAAAAA/AAAAAAAAAKCGAQAAAAAAAAAAAAAAAAAMAAAAAQAAAAAAAAAAAAAAAAAAAB8AAABUAAAAAAAABQAAAAEAAAAAAAAAAAAAAAAAAAAAAAAAAAAAAAAAAAAAAAAAAAAAAAJ/f38AAAAAA8zMzADAwP8Af39/AAAAAAAAAAAAAAAAAAAAAAAAAAAAIQAAABgAAAAUAAAAwTUAABsnAABARwAAWSkAABAAAAAmAAAACAAAAAAAAAAAAAAA"/>
               </a:ext>
             </a:extLst>
           </p:cNvSpPr>
@@ -788,10 +789,10 @@
           <a:bodyPr/>
           <a:lstStyle/>
           <a:p>
-            <a:fld id="{2B3A0CB7-F9C6-6FFA-8882-0FAF42CC7E5A}" type="slidenum">
+            <a:pPr/>
+            <a:fld id="{1B0EA52F-61F6-5B53-B8B6-9706EBF84EC2}" type="slidenum">
               <a:t>‹#›</a:t>
             </a:fld>
-            <a:endParaRPr/>
           </a:p>
         </p:txBody>
       </p:sp>
@@ -805,7 +806,7 @@
 </file>
 
 <file path=ppt/slideLayouts/slideLayout2.xml><?xml version="1.0" encoding="utf-8"?>
-<p:sldLayout xmlns:a="http://schemas.openxmlformats.org/drawingml/2006/main" xmlns:r="http://schemas.openxmlformats.org/officeDocument/2006/relationships" xmlns:p="http://schemas.openxmlformats.org/presentationml/2006/main" type="tx">
+<p:sldLayout xmlns:p="http://schemas.openxmlformats.org/presentationml/2006/main" xmlns:mc="http://schemas.openxmlformats.org/markup-compatibility/2006" xmlns:p14="http://schemas.microsoft.com/office/powerpoint/2010/main" xmlns:p15="http://schemas.microsoft.com/office/powerpoint/2012/main" xmlns:r="http://schemas.openxmlformats.org/officeDocument/2006/relationships" xmlns:a="http://schemas.openxmlformats.org/drawingml/2006/main" type="tx">
   <p:cSld name="Title and content">
     <p:spTree>
       <p:nvGrpSpPr>
@@ -828,7 +829,7 @@
             <a:spLocks noGrp="1" noChangeArrowheads="1"/>
             <a:extLst>
               <a:ext uri="smNativeData">
-                <pr:smNativeData xmlns="smNativeData" xmlns:pr="smNativeData" xmlns:p15="http://schemas.microsoft.com/office/powerpoint/2012/main" xmlns:p14="http://schemas.microsoft.com/office/powerpoint/2010/main" xmlns:mc="http://schemas.openxmlformats.org/markup-compatibility/2006" val="SMDATA_15_wwJCaRMAAAAlAAAAZAAAAA8BAAAAkAAAAEgAAACQAAAASAAAAAAAAAABAAAAAAAAAAEAAABQAAAAAAAAAAAA4D8AAAAAAADgPwAAAAAAAOA/AAAAAAAA4D8AAAAAAADgPwAAAAAAAOA/AAAAAAAA4D8AAAAAAADgPwAAAAAAAOA/AAAAAAAA4D8CAAAAjAAAAAAAAAAAAAAAu+DjDP///wgAAAAAAAAAAAAAAAAAAAAAAAAAAAAAAAAAAAAAZAAAAAEAAABAAAAAAAAAAAAAAAAAAAAAAAAAAAAAAAAAAAAAAAAAAAAAAAAAAAAAAAAAAAAAAAAAAAAAAAAAAAAAAAAAAAAAAAAAAAAAAAAAAAAAAAAAAAAAAAAAAAAAFAAAADwAAAAAAAAAAAAAAAAAAAkUAAAAAQAAABQAAAAUAAAAFAAAAAEAAAAAAAAAZAAAAGQAAAAAAAAAZAAAAGQAAAAVAAAAYAAAAAAAAAAAAAAADwAAACADAAAAAAAAAAAAAAEAAACgMgAAVgcAAKr4//8BAAAAf39/AAEAAABkAAAAAAAAABQAAABAHwAAAAAAACYAAAAAAAAAwOD//wAAAAAmAAAAZAAAABYAAABMAAAAAAAAAAAAAAAEAAAAAAAAAAEAAACAgIAKAAAAACgAAAAoAAAAZAAAAGQAAAAAAAAAzMzMAAAAAABQAAAAUAAAAGQAAABkAAAAAAAAABcAAAAUAAAAAAAAAAAAAAD/fwAA/38AAAAAAAAJAAAABAAAAAAAAAAeAAAAaAAAAAAAAAAAAAAAAAAAAAAAAAAAAAAAECcAABAnAAAAAAAAAAAAAAAAAAAAAAAAAAAAAAAAAAAAAAAAAAAAABQAAAAAAAAAwMD/AAAAAABkAAAAMgAAAAAAAABkAAAAAAAAAH9/fwAKAAAAIgAAABgAAAAAAAAAAAAAAAAAAAAAAAAAAAAAAAAAAAAkAAAAJAAAAAAAAAAHAAAAAAAAAAAAAAAAAAAAAAAAAAAAAAAAAAAAf39/ACUAAABYAAAAAAAAAAAAAAAAAAAAAAAAAAAAAAAAAAAAAAAAAAAAAAAAAAAAAAAAAAAAAAA/AAAAAAAAAKCGAQAAAAAAAAAAAAAAAAAMAAAAAQAAAAAAAAAAAAAAAAAAAB8AAABUAAAAAAAABQAAAAEAAAAAAAAAAAAAAAAAAAAAAAAAAAAAAAAAAAAAAAAAAAAAAAJ/f38AAAAAA8zMzADAwP8Af39/AAAAAAAAAAAAAAAAAAAAAAAAAAAAIQAAABgAAAAUAAAAwAMAALABAABARwAAuAgAABAAAAAmAAAACAAAAAAAAAAAAAAA"/>
+                <pr:smNativeData xmlns:pr="smNativeData" xmlns="smNativeData" val="SMDATA_15_SSBGaRMAAAAlAAAAZAAAAA0AAAAAkAAAAEgAAACQAAAASAAAAAAAAAABAAAAAAAAAAEAAABQAAAAAAAAAAAA4D8AAAAAAADgPwAAAAAAAOA/AAAAAAAA4D8AAAAAAADgPwAAAAAAAOA/AAAAAAAA4D8AAAAAAADgPwAAAAAAAOA/AAAAAAAA4D8CAAAAjAAAAAAAAAAAAAAAu+DjDP///wgAAAAAAAAAAAAAAAAAAAAAAAAAAAAAAAAAAAAAZAAAAAEAAABAAAAAAAAAAAAAAAAAAAAAAAAAAAAAAAAAAAAAAAAAAAAAAAAAAAAAAAAAAAAAAAAAAAAAAAAAAAAAAAAAAAAAAAAAAAAAAAAAAAAAAAAAAAAAAAAAAAAAFAAAADwAAAAAAAAAAAAAAAAAAAkUAAAAAQAAABQAAAAUAAAAFAAAAAEAAAAAAAAAZAAAAGQAAAAAAAAAZAAAAGQAAAAVAAAAYAAAAAAAAAAAAAAADwAAACADAAAAAAAAAAAAAAEAAACgMgAAVgcAAKr4//8BAAAAf39/AAEAAABkAAAAAAAAABQAAABAHwAAAAAAACYAAAAAAAAAwOD//wAAAAAmAAAAZAAAABYAAABMAAAAAAAAAAAAAAAEAAAAAAAAAAEAAACAgIAKAAAAACgAAAAoAAAAZAAAAGQAAAAAAAAAzMzMAAAAAABQAAAAUAAAAGQAAABkAAAAAAAAABcAAAAUAAAAAAAAAAAAAAD/fwAA/38AAAAAAAAJAAAABAAAAAQAAAAeAAAAaAAAAAAAAAAAAAAAAAAAAAAAAAAAAAAAECcAABAnAAAAAAAAAAAAAAAAAAAAAAAAAAAAAAAAAAAAAAAAAAAAABQAAAAAAAAAwMD/AAAAAABkAAAAMgAAAAAAAABkAAAAAAAAAH9/fwAKAAAAIgAAABgAAAAAAAAAAAAAAAAAAAAAAAAAAAAAAAAAAAAkAAAAJAAAAAAAAAAHAAAAAAAAAAAAAAAAAAAAAAAAAAAAAAAAAAAAf39/ACUAAABYAAAAAAAAAAAAAAAAAAAAAAAAAAAAAAAAAAAAAAAAAAAAAAAAAAAAAAAAAAAAAAA/AAAAAAAAAKCGAQAAAAAAAAAAAAAAAAAMAAAAAQAAAAAAAAAAAAAAAAAAAB8AAABUAAAAAAAABQAAAAEAAAAAAAAAAAAAAAAAAAAAAAAAAAAAAAAAAAAAAAAAAAAAAAJ/f38AAAAAA8zMzADAwP8Af39/AAAAAAAAAAAAAAAAAAAAAAAAAAAAIQAAABgAAAAUAAAAwAMAALABAABARwAAuAgAABAAAAAmAAAACAAAAAAAAAAAAAAA"/>
               </a:ext>
             </a:extLst>
           </p:cNvSpPr>
@@ -841,6 +842,7 @@
           <a:bodyPr/>
           <a:lstStyle/>
           <a:p>
+            <a:pPr/>
             <a:r>
               <a:t>Click to edit Master title style</a:t>
             </a:r>
@@ -854,7 +856,7 @@
             <a:spLocks noGrp="1" noChangeArrowheads="1"/>
             <a:extLst>
               <a:ext uri="smNativeData">
-                <pr:smNativeData xmlns="smNativeData" xmlns:pr="smNativeData" xmlns:p15="http://schemas.microsoft.com/office/powerpoint/2012/main" xmlns:p14="http://schemas.microsoft.com/office/powerpoint/2010/main" xmlns:mc="http://schemas.openxmlformats.org/markup-compatibility/2006" val="SMDATA_15_wwJCaRMAAAAlAAAAZAAAAA8BAAAAkAAAAEgAAACQAAAASAAAAAAAAAAAAAAAAAAAAAEAAABQAAAAAAAAAAAA4D8AAAAAAADgPwAAAAAAAOA/AAAAAAAA4D8AAAAAAADgPwAAAAAAAOA/AAAAAAAA4D8AAAAAAADgPwAAAAAAAOA/AAAAAAAA4D8CAAAAjAAAAAAAAAAAAAAAu+DjDP///wgAAAAAAAAAAAAAAAAAAAAAAAAAAAAAAAAAAAAAZAAAAAEAAABAAAAAAAAAAAAAAAAAAAAAAAAAAAAAAAAAAAAAAAAAAAAAAAAAAAAAAAAAAAAAAAAAAAAAAAAAAAAAAAAAAAAAAAAAAAAAAAAAAAAAAAAAAAAAAAAAAAAAFAAAADwAAAAAAAAAAAAAAAAAAAkUAAAAAQAAABQAAAAUAAAAFAAAAAEAAAAAAAAAZAAAAGQAAAAAAAAAZAAAAGQAAAAVAAAAYAAAAAAAAAAAAAAADwAAACADAAAAAAAAAAAAAAEAAACgMgAAVgcAAKr4//8BAAAAf39/AAEAAABkAAAAAAAAABQAAABAHwAAAAAAACYAAAAAAAAAwOD//wAAAAAmAAAAZAAAABYAAABMAAAAAAAAAAAAAAAEAAAAAAAAAAEAAACAgIAKAAAAACgAAAAoAAAAZAAAAGQAAAAAAAAAzMzMAAAAAABQAAAAUAAAAGQAAABkAAAAAAAAABcAAAAUAAAAAAAAAAAAAAD/fwAA/38AAAAAAAAJAAAABAAAAAAAAAAeAAAAaAAAAAAAAAAAAAAAAAAAAAAAAAAAAAAAECcAABAnAAAAAAAAAAAAAAAAAAAAAAAAAAAAAAAAAAAAAAAAAAAAABQAAAAAAAAAwMD/AAAAAABkAAAAMgAAAAAAAABkAAAAAAAAAH9/fwAKAAAAIgAAABgAAAAAAAAAAAAAAAAAAAAAAAAAAAAAAAAAAAAkAAAAJAAAAAAAAAAHAAAAAAAAAAAAAAAAAAAAAAAAAAAAAAAAAAAAf39/ACUAAABYAAAAAAAAAAAAAAAAAAAAAAAAAAAAAAAAAAAAAAAAAAAAAAAAAAAAAAAAAAAAAAA/AAAAAAAAAKCGAQAAAAAAAAAAAAAAAAAMAAAAAQAAAAAAAAAAAAAAAAAAAB8AAABUAAAAAAAABQAAAAEAAAAAAAAAAAAAAAAAAAAAAAAAAAAAAAAAAAAAAAAAAAAAAAJ/f38AAAAAA8zMzADAwP8Af39/AAAAAAAAAAAAAAAAAAAAAAAAAAAAIQAAABgAAAAUAAAAwAMAANgJAABARwAAsCUAABAAAAAmAAAACAAAAAAAAAAAAAAA"/>
+                <pr:smNativeData xmlns:pr="smNativeData" xmlns="smNativeData" val="SMDATA_15_SSBGaRMAAAAlAAAAZAAAAA0AAAAAkAAAAEgAAACQAAAASAAAAAAAAAAAAAAAAAAAAAEAAABQAAAAAAAAAAAA4D8AAAAAAADgPwAAAAAAAOA/AAAAAAAA4D8AAAAAAADgPwAAAAAAAOA/AAAAAAAA4D8AAAAAAADgPwAAAAAAAOA/AAAAAAAA4D8CAAAAjAAAAAAAAAAAAAAAu+DjDP///wgAAAAAAAAAAAAAAAAAAAAAAAAAAAAAAAAAAAAAZAAAAAEAAABAAAAAAAAAAAAAAAAAAAAAAAAAAAAAAAAAAAAAAAAAAAAAAAAAAAAAAAAAAAAAAAAAAAAAAAAAAAAAAAAAAAAAAAAAAAAAAAAAAAAAAAAAAAAAAAAAAAAAFAAAADwAAAAAAAAAAAAAAAAAAAkUAAAAAQAAABQAAAAUAAAAFAAAAAEAAAAAAAAAZAAAAGQAAAAAAAAAZAAAAGQAAAAVAAAAYAAAAAAAAAAAAAAADwAAACADAAAAAAAAAAAAAAEAAACgMgAAVgcAAKr4//8BAAAAf39/AAEAAABkAAAAAAAAABQAAABAHwAAAAAAACYAAAAAAAAAwOD//wAAAAAmAAAAZAAAABYAAABMAAAAAAAAAAAAAAAEAAAAAAAAAAEAAACAgIAKAAAAACgAAAAoAAAAZAAAAGQAAAAAAAAAzMzMAAAAAABQAAAAUAAAAGQAAABkAAAAAAAAABcAAAAUAAAAAAAAAAAAAAD/fwAA/38AAAAAAAAJAAAABAAAAMDcrwIeAAAAaAAAAAAAAAAAAAAAAAAAAAAAAAAAAAAAECcAABAnAAAAAAAAAAAAAAAAAAAAAAAAAAAAAAAAAAAAAAAAAAAAABQAAAAAAAAAwMD/AAAAAABkAAAAMgAAAAAAAABkAAAAAAAAAH9/fwAKAAAAIgAAABgAAAAAAAAAAAAAAAAAAAAAAAAAAAAAAAAAAAAkAAAAJAAAAAAAAAAHAAAAAAAAAAAAAAAAAAAAAAAAAAAAAAAAAAAAf39/ACUAAABYAAAAAAAAAAAAAAAAAAAAAAAAAAAAAAAAAAAAAAAAAAAAAAAAAAAAAAAAAAAAAAA/AAAAAAAAAKCGAQAAAAAAAAAAAAAAAAAMAAAAAQAAAAAAAAAAAAAAAAAAAB8AAABUAAAAAAAABQAAAAEAAAAAAAAAAAAAAAAAAAAAAAAAAAAAAAAAAAAAAAAAAAAAAAJ/f38AAAAAA8zMzADAwP8Af39/AAAAAAAAAAAAAAAAAAAAAAAAAAAAIQAAABgAAAAUAAAAwAMAANgJAABARwAAsCUAABAAAAAmAAAACAAAAAAAAAAAAAAA"/>
               </a:ext>
             </a:extLst>
           </p:cNvSpPr>
@@ -867,6 +869,7 @@
           <a:bodyPr/>
           <a:lstStyle/>
           <a:p>
+            <a:pPr/>
             <a:r>
               <a:t>Click to edit Master text styles</a:t>
             </a:r>
@@ -904,7 +907,7 @@
             <a:spLocks noGrp="1" noChangeArrowheads="1"/>
             <a:extLst>
               <a:ext uri="smNativeData">
-                <pr:smNativeData xmlns="smNativeData" xmlns:pr="smNativeData" xmlns:p15="http://schemas.microsoft.com/office/powerpoint/2012/main" xmlns:p14="http://schemas.microsoft.com/office/powerpoint/2010/main" xmlns:mc="http://schemas.openxmlformats.org/markup-compatibility/2006" val="SMDATA_15_wwJCaRMAAAAlAAAAZAAAAA8BAAAAkAAAAEgAAACQAAAASAAAAAAAAAABAAAAAAAAAAEAAABQAAAAAAAAAAAA4D8AAAAAAADgPwAAAAAAAOA/AAAAAAAA4D8AAAAAAADgPwAAAAAAAOA/AAAAAAAA4D8AAAAAAADgPwAAAAAAAOA/AAAAAAAA4D8CAAAAjAAAAAAAAAAAAAAAu+DjDP///wgAAAAAAAAAAAAAAAAAAAAAAAAAAAAAAAAAAAAAZAAAAAEAAABAAAAAAAAAAAAAAAAAAAAAAAAAAAAAAAAAAAAAAAAAAAAAAAAAAAAAAAAAAAAAAAAAAAAAAAAAAAAAAAAAAAAAAAAAAAAAAAAAAAAAAAAAAAAAAAAAAAAAFAAAADwAAAAAAAAAAAAAAAAAAAkUAAAAAQAAABQAAAAUAAAAFAAAAAEAAAAAAAAAZAAAAGQAAAAAAAAAZAAAAGQAAAAVAAAAYAAAAAAAAAAAAAAADwAAACADAAAAAAAAAAAAAAEAAACgMgAAVgcAAKr4//8BAAAAf39/AAEAAABkAAAAAAAAABQAAABAHwAAAAAAACYAAAAAAAAAwOD//wAAAAAmAAAAZAAAABYAAABMAAAAAAAAAAAAAAAEAAAAAAAAAAEAAACAgIAKAAAAACgAAAAoAAAAZAAAAGQAAAAAAAAAzMzMAAAAAABQAAAAUAAAAGQAAABkAAAAAAAAABcAAAAUAAAAAAAAAAAAAAD/fwAA/38AAAAAAAAJAAAABAAAANw7IAEeAAAAaAAAAAAAAAAAAAAAAAAAAAAAAAAAAAAAECcAABAnAAAAAAAAAAAAAAAAAAAAAAAAAAAAAAAAAAAAAAAAAAAAABQAAAAAAAAAwMD/AAAAAABkAAAAMgAAAAAAAABkAAAAAAAAAH9/fwAKAAAAIgAAABgAAAAAAAAAAAAAAAAAAAAAAAAAAAAAAAAAAAAkAAAAJAAAAAAAAAAHAAAAAAAAAAAAAAAAAAAAAAAAAAAAAAAAAAAAf39/ACUAAABYAAAAAAAAAAAAAAAAAAAAAAAAAAAAAAAAAAAAAAAAAAAAAAAAAAAAAAAAAAAAAAA/AAAAAAAAAKCGAQAAAAAAAAAAAAAAAAAMAAAAAQAAAAAAAAAAAAAAAAAAAB8AAABUAAAAAAAABQAAAAEAAAAAAAAAAAAAAAAAAAAAAAAAAAAAAAAAAAAAAAAAAAAAAAJ/f38AAAAAA8zMzADAwP8Af39/AAAAAAAAAAAAAAAAAAAAAAAAAAAAIQAAABgAAAAUAAAAwAMAABsnAAA/FQAAWSkAABAAAAAmAAAACAAAAAAAAAAAAAAA"/>
+                <pr:smNativeData xmlns:pr="smNativeData" xmlns="smNativeData" val="SMDATA_15_SSBGaRMAAAAlAAAAZAAAAA0AAAAAkAAAAEgAAACQAAAASAAAAAAAAAABAAAAAAAAAAEAAABQAAAAAAAAAAAA4D8AAAAAAADgPwAAAAAAAOA/AAAAAAAA4D8AAAAAAADgPwAAAAAAAOA/AAAAAAAA4D8AAAAAAADgPwAAAAAAAOA/AAAAAAAA4D8CAAAAjAAAAAAAAAAAAAAAu+DjDP///wgAAAAAAAAAAAAAAAAAAAAAAAAAAAAAAAAAAAAAZAAAAAEAAABAAAAAAAAAAAAAAAAAAAAAAAAAAAAAAAAAAAAAAAAAAAAAAAAAAAAAAAAAAAAAAAAAAAAAAAAAAAAAAAAAAAAAAAAAAAAAAAAAAAAAAAAAAAAAAAAAAAAAFAAAADwAAAAAAAAAAAAAAAAAAAkUAAAAAQAAABQAAAAUAAAAFAAAAAEAAAAAAAAAZAAAAGQAAAAAAAAAZAAAAGQAAAAVAAAAYAAAAAAAAAAAAAAADwAAACADAAAAAAAAAAAAAAEAAACgMgAAVgcAAKr4//8BAAAAf39/AAEAAABkAAAAAAAAABQAAABAHwAAAAAAACYAAAAAAAAAwOD//wAAAAAmAAAAZAAAABYAAABMAAAAAAAAAAAAAAAEAAAAAAAAAAEAAACAgIAKAAAAACgAAAAoAAAAZAAAAGQAAAAAAAAAzMzMAAAAAABQAAAAUAAAAGQAAABkAAAAAAAAABcAAAAUAAAAAAAAAAAAAAD/fwAA/38AAAAAAAAJAAAABAAAAAAAAAAeAAAAaAAAAAAAAAAAAAAAAAAAAAAAAAAAAAAAECcAABAnAAAAAAAAAAAAAAAAAAAAAAAAAAAAAAAAAAAAAAAAAAAAABQAAAAAAAAAwMD/AAAAAABkAAAAMgAAAAAAAABkAAAAAAAAAH9/fwAKAAAAIgAAABgAAAAAAAAAAAAAAAAAAAAAAAAAAAAAAAAAAAAkAAAAJAAAAAAAAAAHAAAAAAAAAAAAAAAAAAAAAAAAAAAAAAAAAAAAf39/ACUAAABYAAAAAAAAAAAAAAAAAAAAAAAAAAAAAAAAAAAAAAAAAAAAAAAAAAAAAAAAAAAAAAA/AAAAAAAAAKCGAQAAAAAAAAAAAAAAAAAMAAAAAQAAAAAAAAAAAAAAAAAAAB8AAABUAAAAAAAABQAAAAEAAAAAAAAAAAAAAAAAAAAAAAAAAAAAAAAAAAAAAAAAAAAAAAJ/f38AAAAAA8zMzADAwP8Af39/AAAAAAAAAAAAAAAAAAAAAAAAAAAAIQAAABgAAAAUAAAAwAMAABsnAAA/FQAAWSkAABAAAAAmAAAACAAAAAAAAAAAAAAA"/>
               </a:ext>
             </a:extLst>
           </p:cNvSpPr>
@@ -917,10 +920,10 @@
           <a:bodyPr/>
           <a:lstStyle/>
           <a:p>
-            <a:fld id="{2B3A5CD1-9FC6-6FAA-8882-69FF12CC7E3C}" type="datetime1">
-              <a:t>12/16/2025</a:t>
+            <a:pPr/>
+            <a:fld id="{1B0EE77A-34F6-5B11-B8B6-C244A9F84E97}" type="datetime1">
+              <a:t/>
             </a:fld>
-            <a:endParaRPr/>
           </a:p>
         </p:txBody>
       </p:sp>
@@ -931,7 +934,7 @@
             <a:spLocks noGrp="1" noChangeArrowheads="1"/>
             <a:extLst>
               <a:ext uri="smNativeData">
-                <pr:smNativeData xmlns="smNativeData" xmlns:pr="smNativeData" xmlns:p15="http://schemas.microsoft.com/office/powerpoint/2012/main" xmlns:p14="http://schemas.microsoft.com/office/powerpoint/2010/main" xmlns:mc="http://schemas.openxmlformats.org/markup-compatibility/2006" val="SMDATA_15_wwJCaRMAAAAlAAAAZAAAAA8BAAAAkAAAAEgAAACQAAAASAAAAAAAAAABAAAAAAAAAAEAAABQAAAAAAAAAAAA4D8AAAAAAADgPwAAAAAAAOA/AAAAAAAA4D8AAAAAAADgPwAAAAAAAOA/AAAAAAAA4D8AAAAAAADgPwAAAAAAAOA/AAAAAAAA4D8CAAAAjAAAAAAAAAAAAAAAu+DjDP///wgAAAAAAAAAAAAAAAAAAAAAAAAAAAAAAAAAAAAAZAAAAAEAAABAAAAAAAAAAAAAAAAAAAAAAAAAAAAAAAAAAAAAAAAAAAAAAAAAAAAAAAAAAAAAAAAAAAAAAAAAAAAAAAAAAAAAAAAAAAAAAAAAAAAAAAAAAAAAAAAAAAAAFAAAADwAAAAAAAAAAAAAAAAAAAkUAAAAAQAAABQAAAAUAAAAFAAAAAEAAAAAAAAAZAAAAGQAAAAAAAAAZAAAAGQAAAAVAAAAYAAAAAAAAAAAAAAADwAAACADAAAAAAAAAAAAAAEAAACgMgAAVgcAAKr4//8BAAAAf39/AAEAAABkAAAAAAAAABQAAABAHwAAAAAAACYAAAAAAAAAwOD//wAAAAAmAAAAZAAAABYAAABMAAAAAAAAAAAAAAAEAAAAAAAAAAEAAACAgIAKAAAAACgAAAAoAAAAZAAAAGQAAAAAAAAAzMzMAAAAAABQAAAAUAAAAGQAAABkAAAAAAAAABcAAAAUAAAAAAAAAAAAAAD/fwAA/38AAAAAAAAJAAAABAAAANw7IAEeAAAAaAAAAAAAAAAAAAAAAAAAAAAAAAAAAAAAECcAABAnAAAAAAAAAAAAAAAAAAAAAAAAAAAAAAAAAAAAAAAAAAAAABQAAAAAAAAAwMD/AAAAAABkAAAAMgAAAAAAAABkAAAAAAAAAH9/fwAKAAAAIgAAABgAAAAAAAAAAAAAAAAAAAAAAAAAAAAAAAAAAAAkAAAAJAAAAAAAAAAHAAAAAAAAAAAAAAAAAAAAAAAAAAAAAAAAAAAAf39/ACUAAABYAAAAAAAAAAAAAAAAAAAAAAAAAAAAAAAAAAAAAAAAAAAAAAAAAAAAAAAAAAAAAAA/AAAAAAAAAKCGAQAAAAAAAAAAAAAAAAAMAAAAAQAAAAAAAAAAAAAAAAAAAB8AAABUAAAAAAAABQAAAAEAAAAAAAAAAAAAAAAAAAAAAAAAAAAAAAAAAAAAAAAAAAAAAAJ/f38AAAAAA8zMzADAwP8Af39/AAAAAAAAAAAAAAAAAAAAAAAAAAAAIQAAABgAAAAUAAAAoRkAABsnAABfMQAAWSkAABAAAAAmAAAACAAAAAAAAAAAAAAA"/>
+                <pr:smNativeData xmlns:pr="smNativeData" xmlns="smNativeData" val="SMDATA_15_SSBGaRMAAAAlAAAAZAAAAA0AAAAAkAAAAEgAAACQAAAASAAAAAAAAAABAAAAAAAAAAEAAABQAAAAAAAAAAAA4D8AAAAAAADgPwAAAAAAAOA/AAAAAAAA4D8AAAAAAADgPwAAAAAAAOA/AAAAAAAA4D8AAAAAAADgPwAAAAAAAOA/AAAAAAAA4D8CAAAAjAAAAAAAAAAAAAAAu+DjDP///wgAAAAAAAAAAAAAAAAAAAAAAAAAAAAAAAAAAAAAZAAAAAEAAABAAAAAAAAAAAAAAAAAAAAAAAAAAAAAAAAAAAAAAAAAAAAAAAAAAAAAAAAAAAAAAAAAAAAAAAAAAAAAAAAAAAAAAAAAAAAAAAAAAAAAAAAAAAAAAAAAAAAAFAAAADwAAAAAAAAAAAAAAAAAAAkUAAAAAQAAABQAAAAUAAAAFAAAAAEAAAAAAAAAZAAAAGQAAAAAAAAAZAAAAGQAAAAVAAAAYAAAAAAAAAAAAAAADwAAACADAAAAAAAAAAAAAAEAAACgMgAAVgcAAKr4//8BAAAAf39/AAEAAABkAAAAAAAAABQAAABAHwAAAAAAACYAAAAAAAAAwOD//wAAAAAmAAAAZAAAABYAAABMAAAAAAAAAAAAAAAEAAAAAAAAAAEAAACAgIAKAAAAACgAAAAoAAAAZAAAAGQAAAAAAAAAzMzMAAAAAABQAAAAUAAAAGQAAABkAAAAAAAAABcAAAAUAAAAAAAAAAAAAAD/fwAA/38AAAAAAAAJAAAABAAAAAAAAAAeAAAAaAAAAAAAAAAAAAAAAAAAAAAAAAAAAAAAECcAABAnAAAAAAAAAAAAAAAAAAAAAAAAAAAAAAAAAAAAAAAAAAAAABQAAAAAAAAAwMD/AAAAAABkAAAAMgAAAAAAAABkAAAAAAAAAH9/fwAKAAAAIgAAABgAAAAAAAAAAAAAAAAAAAAAAAAAAAAAAAAAAAAkAAAAJAAAAAAAAAAHAAAAAAAAAAAAAAAAAAAAAAAAAAAAAAAAAAAAf39/ACUAAABYAAAAAAAAAAAAAAAAAAAAAAAAAAAAAAAAAAAAAAAAAAAAAAAAAAAAAAAAAAAAAAA/AAAAAAAAAKCGAQAAAAAAAAAAAAAAAAAMAAAAAQAAAAAAAAAAAAAAAAAAAB8AAABUAAAAAAAABQAAAAEAAAAAAAAAAAAAAAAAAAAAAAAAAAAAAAAAAAAAAAAAAAAAAAJ/f38AAAAAA8zMzADAwP8Af39/AAAAAAAAAAAAAAAAAAAAAAAAAAAAIQAAABgAAAAUAAAAoRkAABsnAABfMQAAWSkAABAAAAAmAAAACAAAAAAAAAAAAAAA"/>
               </a:ext>
             </a:extLst>
           </p:cNvSpPr>
@@ -944,7 +947,7 @@
           <a:bodyPr/>
           <a:lstStyle/>
           <a:p>
-            <a:endParaRPr/>
+            <a:pPr/>
           </a:p>
         </p:txBody>
       </p:sp>
@@ -955,7 +958,7 @@
             <a:spLocks noGrp="1" noChangeArrowheads="1"/>
             <a:extLst>
               <a:ext uri="smNativeData">
-                <pr:smNativeData xmlns="smNativeData" xmlns:pr="smNativeData" xmlns:p15="http://schemas.microsoft.com/office/powerpoint/2012/main" xmlns:p14="http://schemas.microsoft.com/office/powerpoint/2010/main" xmlns:mc="http://schemas.openxmlformats.org/markup-compatibility/2006" val="SMDATA_15_wwJCaRMAAAAlAAAAZAAAAA8BAAAAkAAAAEgAAACQAAAASAAAAAAAAAABAAAAAAAAAAEAAABQAAAAAAAAAAAA4D8AAAAAAADgPwAAAAAAAOA/AAAAAAAA4D8AAAAAAADgPwAAAAAAAOA/AAAAAAAA4D8AAAAAAADgPwAAAAAAAOA/AAAAAAAA4D8CAAAAjAAAAAAAAAAAAAAAu+DjDP///wgAAAAAAAAAAAAAAAAAAAAAAAAAAAAAAAAAAAAAZAAAAAEAAABAAAAAAAAAAAAAAAAAAAAAAAAAAAAAAAAAAAAAAAAAAAAAAAAAAAAAAAAAAAAAAAAAAAAAAAAAAAAAAAAAAAAAAAAAAAAAAAAAAAAAAAAAAAAAAAAAAAAAFAAAADwAAAAAAAAAAAAAAAAAAAkUAAAAAQAAABQAAAAUAAAAFAAAAAEAAAAAAAAAZAAAAGQAAAAAAAAAZAAAAGQAAAAVAAAAYAAAAAAAAAAAAAAADwAAACADAAAAAAAAAAAAAAEAAACgMgAAVgcAAKr4//8BAAAAf39/AAEAAABkAAAAAAAAABQAAABAHwAAAAAAACYAAAAAAAAAwOD//wAAAAAmAAAAZAAAABYAAABMAAAAAAAAAAAAAAAEAAAAAAAAAAEAAACAgIAKAAAAACgAAAAoAAAAZAAAAGQAAAAAAAAAzMzMAAAAAABQAAAAUAAAAGQAAABkAAAAAAAAABcAAAAUAAAAAAAAAAAAAAD/fwAA/38AAAAAAAAJAAAABAAAAAAAAAAeAAAAaAAAAAAAAAAAAAAAAAAAAAAAAAAAAAAAECcAABAnAAAAAAAAAAAAAAAAAAAAAAAAAAAAAAAAAAAAAAAAAAAAABQAAAAAAAAAwMD/AAAAAABkAAAAMgAAAAAAAABkAAAAAAAAAH9/fwAKAAAAIgAAABgAAAAAAAAAAAAAAAAAAAAAAAAAAAAAAAAAAAAkAAAAJAAAAAAAAAAHAAAAAAAAAAAAAAAAAAAAAAAAAAAAAAAAAAAAf39/ACUAAABYAAAAAAAAAAAAAAAAAAAAAAAAAAAAAAAAAAAAAAAAAAAAAAAAAAAAAAAAAAAAAAA/AAAAAAAAAKCGAQAAAAAAAAAAAAAAAAAMAAAAAQAAAAAAAAAAAAAAAAAAAB8AAABUAAAAAAAABQAAAAEAAAAAAAAAAAAAAAAAAAAAAAAAAAAAAAAAAAAAAAAAAAAAAAJ/f38AAAAAA8zMzADAwP8Af39/AAAAAAAAAAAAAAAAAAAAAAAAAAAAIQAAABgAAAAUAAAAwTUAABsnAABARwAAWSkAABAAAAAmAAAACAAAAAAAAAAAAAAA"/>
+                <pr:smNativeData xmlns:pr="smNativeData" xmlns="smNativeData" val="SMDATA_15_SSBGaRMAAAAlAAAAZAAAAA0AAAAAkAAAAEgAAACQAAAASAAAAAAAAAABAAAAAAAAAAEAAABQAAAAAAAAAAAA4D8AAAAAAADgPwAAAAAAAOA/AAAAAAAA4D8AAAAAAADgPwAAAAAAAOA/AAAAAAAA4D8AAAAAAADgPwAAAAAAAOA/AAAAAAAA4D8CAAAAjAAAAAAAAAAAAAAAu+DjDP///wgAAAAAAAAAAAAAAAAAAAAAAAAAAAAAAAAAAAAAZAAAAAEAAABAAAAAAAAAAAAAAAAAAAAAAAAAAAAAAAAAAAAAAAAAAAAAAAAAAAAAAAAAAAAAAAAAAAAAAAAAAAAAAAAAAAAAAAAAAAAAAAAAAAAAAAAAAAAAAAAAAAAAFAAAADwAAAAAAAAAAAAAAAAAAAkUAAAAAQAAABQAAAAUAAAAFAAAAAEAAAAAAAAAZAAAAGQAAAAAAAAAZAAAAGQAAAAVAAAAYAAAAAAAAAAAAAAADwAAACADAAAAAAAAAAAAAAEAAACgMgAAVgcAAKr4//8BAAAAf39/AAEAAABkAAAAAAAAABQAAABAHwAAAAAAACYAAAAAAAAAwOD//wAAAAAmAAAAZAAAABYAAABMAAAAAAAAAAAAAAAEAAAAAAAAAAEAAACAgIAKAAAAACgAAAAoAAAAZAAAAGQAAAAAAAAAzMzMAAAAAABQAAAAUAAAAGQAAABkAAAAAAAAABcAAAAUAAAAAAAAAAAAAAD/fwAA/38AAAAAAAAJAAAABAAAAAAAAAAeAAAAaAAAAAAAAAAAAAAAAAAAAAAAAAAAAAAAECcAABAnAAAAAAAAAAAAAAAAAAAAAAAAAAAAAAAAAAAAAAAAAAAAABQAAAAAAAAAwMD/AAAAAABkAAAAMgAAAAAAAABkAAAAAAAAAH9/fwAKAAAAIgAAABgAAAAAAAAAAAAAAAAAAAAAAAAAAAAAAAAAAAAkAAAAJAAAAAAAAAAHAAAAAAAAAAAAAAAAAAAAAAAAAAAAAAAAAAAAf39/ACUAAABYAAAAAAAAAAAAAAAAAAAAAAAAAAAAAAAAAAAAAAAAAAAAAAAAAAAAAAAAAAAAAAA/AAAAAAAAAKCGAQAAAAAAAAAAAAAAAAAMAAAAAQAAAAAAAAAAAAAAAAAAAB8AAABUAAAAAAAABQAAAAEAAAAAAAAAAAAAAAAAAAAAAAAAAAAAAAAAAAAAAAAAAAAAAAJ/f38AAAAAA8zMzADAwP8Af39/AAAAAAAAAAAAAAAAAAAAAAAAAAAAIQAAABgAAAAUAAAAwTUAABsnAABARwAAWSkAABAAAAAmAAAACAAAAAAAAAAAAAAA"/>
               </a:ext>
             </a:extLst>
           </p:cNvSpPr>
@@ -968,10 +971,10 @@
           <a:bodyPr/>
           <a:lstStyle/>
           <a:p>
-            <a:fld id="{2B3A0E09-47C6-6FF8-8882-B1AD40CC7EE4}" type="slidenum">
-              <a:t>‹#›</a:t>
+            <a:pPr/>
+            <a:fld id="{1B0EAF58-16F6-5B59-B8B6-E00CE1F84EB5}" type="slidenum">
+              <a:t/>
             </a:fld>
-            <a:endParaRPr/>
           </a:p>
         </p:txBody>
       </p:sp>
@@ -985,7 +988,7 @@
 </file>
 
 <file path=ppt/slideLayouts/slideLayout3.xml><?xml version="1.0" encoding="utf-8"?>
-<p:sldLayout xmlns:a="http://schemas.openxmlformats.org/drawingml/2006/main" xmlns:r="http://schemas.openxmlformats.org/officeDocument/2006/relationships" xmlns:p="http://schemas.openxmlformats.org/presentationml/2006/main" type="secHead">
+<p:sldLayout xmlns:p="http://schemas.openxmlformats.org/presentationml/2006/main" xmlns:mc="http://schemas.openxmlformats.org/markup-compatibility/2006" xmlns:p14="http://schemas.microsoft.com/office/powerpoint/2010/main" xmlns:p15="http://schemas.microsoft.com/office/powerpoint/2012/main" xmlns:r="http://schemas.openxmlformats.org/officeDocument/2006/relationships" xmlns:a="http://schemas.openxmlformats.org/drawingml/2006/main" type="secHead">
   <p:cSld name="Section header">
     <p:spTree>
       <p:nvGrpSpPr>
@@ -1008,7 +1011,7 @@
             <a:spLocks noGrp="1" noChangeArrowheads="1"/>
             <a:extLst>
               <a:ext uri="smNativeData">
-                <pr:smNativeData xmlns="smNativeData" xmlns:pr="smNativeData" xmlns:p15="http://schemas.microsoft.com/office/powerpoint/2012/main" xmlns:p14="http://schemas.microsoft.com/office/powerpoint/2010/main" xmlns:mc="http://schemas.openxmlformats.org/markup-compatibility/2006" val="SMDATA_15_wwJCaRMAAAAlAAAAZAAAAA8BAAAAkAAAAEgAAACQAAAASAAAAAAAAAAAAAAAAAAAAAEAAABQAAAAAAAAAAAA4D8AAAAAAADgPwAAAAAAAOA/AAAAAAAA4D8AAAAAAADgPwAAAAAAAOA/AAAAAAAA4D8AAAAAAADgPwAAAAAAAOA/AAAAAAAA4D8CAAAAjAAAAAAAAAAAAAAAu+DjDP///wgAAAAAAAAAAAAAAAAAAAAAAAAAAAAAAAAAAAAAZAAAAAEAAABAAAAAAAAAAAAAAAAAAAAAAAAAAAAAAAAAAAAAAAAAAAAAAAAAAAAAAAAAAAAAAAAAAAAAAAAAAAAAAAAAAAAAAAAAAAAAAAAAAAAAAAAAAAAAAAAAAAAAFAAAADwAAAAAAAAAAAAAAAAAAAkUAAAAAQAAABQAAAAUAAAAFAAAAAEAAAAAAAAAZAAAAGQAAAAAAAAAZAAAAGQAAAAVAAAAYAAAAAAAAAAAAAAADwAAACADAAAAAAAAAAAAAAEAAACgMgAAVgcAAKr4//8BAAAAf39/AAEAAABkAAAAAAAAABQAAABAHwAAAAAAACYAAAAAAAAAwOD//wAAAAAmAAAAZAAAABYAAABMAAAAAAAAAAAAAAAEAAAAAAAAAAEAAACAgIAKAAAAACgAAAAoAAAAZAAAAGQAAAAAAAAAzMzMAAAAAABQAAAAUAAAAGQAAABkAAAAAAAAABcAAAAUAAAAAAAAAAAAAAD/fwAA/38AAAAAAAAJAAAABAAAANw7IAEeAAAAaAAAAAAAAAAAAAAAAAAAAAAAAAAAAAAAECcAABAnAAAAAAAAAAAAAAAAAAAAAAAAAAAAAAAAAAAAAAAAAAAAABQAAAAAAAAAwMD/AAAAAABkAAAAMgAAAAAAAABkAAAAAAAAAH9/fwAKAAAAIgAAABgAAAAAAAAAAAAAAAAAAAAAAAAAAAAAAAAAAAAkAAAAJAAAAAAAAAAHAAAAAAAAAAAAAAAAAAAAAAAAAAAAAAAAAAAAf39/ACUAAABYAAAAAAAAAAAAAAAAAAAAAAAAAAAAAAAAAAAAAAAAAAAAAAAAAAAAAAAAAAAAAAA/AAAAAAAAAKCGAQAAAAAAAAAAAAAAAAAMAAAAAQAAAAAAAAAAAAAAAAAAAB8AAABUAAAAAAAABQAAAAEAAAAAAAAAAAAAAAAAAAAAAAAAAAAAAAAAAAAAAAAAAAAAAAJ/f38AAAAAA8zMzADAwP8Af39/AAAAAAAAAAAAAAAAAAAAAAAAAAAAIQAAABgAAAAUAAAA7QUAABwbAACtRQAAfSMAABAAAAAmAAAACAAAAIGAAAAAAAAA"/>
+                <pr:smNativeData xmlns:pr="smNativeData" xmlns="smNativeData" val="SMDATA_15_SSBGaRMAAAAlAAAAZAAAAA0AAAAAkAAAAEgAAACQAAAASAAAAAAAAAAAAAAAAAAAAAEAAABQAAAAAAAAAAAA4D8AAAAAAADgPwAAAAAAAOA/AAAAAAAA4D8AAAAAAADgPwAAAAAAAOA/AAAAAAAA4D8AAAAAAADgPwAAAAAAAOA/AAAAAAAA4D8CAAAAjAAAAAAAAAAAAAAAu+DjDP///wgAAAAAAAAAAAAAAAAAAAAAAAAAAAAAAAAAAAAAZAAAAAEAAABAAAAAAAAAAAAAAAAAAAAAAAAAAAAAAAAAAAAAAAAAAAAAAAAAAAAAAAAAAAAAAAAAAAAAAAAAAAAAAAAAAAAAAAAAAAAAAAAAAAAAAAAAAAAAAAAAAAAAFAAAADwAAAAAAAAAAAAAAAAAAAkUAAAAAQAAABQAAAAUAAAAFAAAAAEAAAAAAAAAZAAAAGQAAAAAAAAAZAAAAGQAAAAVAAAAYAAAAAAAAAAAAAAADwAAACADAAAAAAAAAAAAAAEAAACgMgAAVgcAAKr4//8BAAAAf39/AAEAAABkAAAAAAAAABQAAABAHwAAAAAAACYAAAAAAAAAwOD//wAAAAAmAAAAZAAAABYAAABMAAAAAAAAAAAAAAAEAAAAAAAAAAEAAACAgIAKAAAAACgAAAAoAAAAZAAAAGQAAAAAAAAAzMzMAAAAAABQAAAAUAAAAGQAAABkAAAAAAAAABcAAAAUAAAAAAAAAAAAAAD/fwAA/38AAAAAAAAJAAAABAAAAAAAAAAeAAAAaAAAAAAAAAAAAAAAAAAAAAAAAAAAAAAAECcAABAnAAAAAAAAAAAAAAAAAAAAAAAAAAAAAAAAAAAAAAAAAAAAABQAAAAAAAAAwMD/AAAAAABkAAAAMgAAAAAAAABkAAAAAAAAAH9/fwAKAAAAIgAAABgAAAAAAAAAAAAAAAAAAAAAAAAAAAAAAAAAAAAkAAAAJAAAAAAAAAAHAAAAAAAAAAAAAAAAAAAAAAAAAAAAAAAAAAAAf39/ACUAAABYAAAAAAAAAAAAAAAAAAAAAAAAAAAAAAAAAAAAAAAAAAAAAAAAAAAAAAAAAAAAAAA/AAAAAAAAAKCGAQAAAAAAAAAAAAAAAAAMAAAAAQAAAAAAAAAAAAAAAAAAAB8AAABUAAAAAAAABQAAAAEAAAAAAAAAAAAAAAAAAAAAAAAAAAAAAAAAAAAAAAAAAAAAAAJ/f38AAAAAA8zMzADAwP8Af39/AAAAAAAAAAAAAAAAAAAAAAAAAAAAIQAAABgAAAAUAAAA7QUAABwbAACtRQAAfSMAABAAAAAmAAAACAAAAIGQAAAAAAAA"/>
               </a:ext>
             </a:extLst>
           </p:cNvSpPr>
@@ -1023,7 +1026,7 @@
           </a:xfrm>
         </p:spPr>
         <p:txBody>
-          <a:bodyPr vert="horz" wrap="square" numCol="1" spcCol="215900" anchor="t">
+          <a:bodyPr vert="horz" wrap="square" lIns="91440" tIns="45720" rIns="91440" bIns="45720" numCol="1" spcCol="215900" anchor="t">
             <a:prstTxWarp prst="textNoShape">
               <a:avLst/>
             </a:prstTxWarp>
@@ -1034,6 +1037,7 @@
             </a:lvl1pPr>
           </a:lstStyle>
           <a:p>
+            <a:pPr/>
             <a:r>
               <a:t>Click to edit Master title style</a:t>
             </a:r>
@@ -1047,7 +1051,7 @@
             <a:spLocks noGrp="1" noChangeArrowheads="1"/>
             <a:extLst>
               <a:ext uri="smNativeData">
-                <pr:smNativeData xmlns="smNativeData" xmlns:pr="smNativeData" xmlns:p15="http://schemas.microsoft.com/office/powerpoint/2012/main" xmlns:p14="http://schemas.microsoft.com/office/powerpoint/2010/main" xmlns:mc="http://schemas.openxmlformats.org/markup-compatibility/2006" val="SMDATA_15_wwJCaRMAAAAlAAAAZAAAAA8BAAAAkAAAAEgAAACQAAAASAAAAAAAAAACAAAAAAAAAAEAAABQAAAAAAAAAAAA4D8AAAAAAADgPwAAAAAAAOA/AAAAAAAA4D8AAAAAAADgPwAAAAAAAOA/AAAAAAAA4D8AAAAAAADgPwAAAAAAAOA/AAAAAAAA4D8CAAAAjAAAAAAAAAAAAAAAu+DjDP///wgAAAAAAAAAAAAAAAAAAAAAAAAAAAAAAAAAAAAAZAAAAAEAAABAAAAAAAAAAAAAAAAAAAAAAAAAAAAAAAAAAAAAAAAAAAAAAAAAAAAAAAAAAAAAAAAAAAAAAAAAAAAAAAAAAAAAAAAAAAAAAAAAAAAAAAAAAAAAAAAAAAAAFAAAADwAAAAAAAAAAAAAAAAAAAkUAAAAAQAAABQAAAAUAAAAFAAAAAEAAAAAAAAAZAAAAGQAAAAAAAAAZAAAAGQAAAAVAAAAYAAAAAAAAAAAAAAADwAAACADAAAAAAAAAAAAAAEAAACgMgAAVgcAAKr4//8BAAAAf39/AAEAAABkAAAAAAAAABQAAABAHwAAAAAAACYAAAAAAAAAwOD//wAAAAAmAAAAZAAAABYAAABMAAAAAAAAAAAAAAAEAAAAAAAAAAEAAACAgIAKAAAAACgAAAAoAAAAZAAAAGQAAAAAAAAAzMzMAAAAAABQAAAAUAAAAGQAAABkAAAAAAAAABcAAAAUAAAAAAAAAAAAAAD/fwAA/38AAAAAAAAJAAAABAAAANw7IAEeAAAAaAAAAAAAAAAAAAAAAAAAAAAAAAAAAAAAECcAABAnAAAAAAAAAAAAAAAAAAAAAAAAAAAAAAAAAAAAAAAAAAAAABQAAAAAAAAAwMD/AAAAAABkAAAAMgAAAAAAAABkAAAAAAAAAH9/fwAKAAAAIgAAABgAAAAAAAAAAAAAAAAAAAAAAAAAAAAAAAAAAAAkAAAAJAAAAAAAAAAHAAAAAAAAAAAAAAAAAAAAAAAAAAAAAAAAAAAAf39/ACUAAABYAAAAAAAAAAAAAAAAAAAAAAAAAAAAAAAAAAAAAAAAAAAAAAAAAAAAAAAAAAAAAAA/AAAAAAAAAKCGAQAAAAAAAAAAAAAAAAAMAAAAAQAAAAAAAAAAAAAAAAAAAB8AAABUAAAAAAAABQAAAAEAAAAAAAAAAAAAAAAAAAAAAAAAAAAAAAAAAAAAAAAAAAAAAAJ/f38AAAAAA8zMzADAwP8Af39/AAAAAAAAAAAAAAAAAAAAAAAAAAAAIQAAABgAAAAUAAAA7QUAAOERAACtRQAAHBsAABAAAAAmAAAACAAAAIGAAAAAAAAA"/>
+                <pr:smNativeData xmlns:pr="smNativeData" xmlns="smNativeData" val="SMDATA_15_SSBGaRMAAAAlAAAAZAAAAA0AAAAAkAAAAEgAAACQAAAASAAAAAAAAAACAAAAAAAAAAEAAABQAAAAAAAAAAAA4D8AAAAAAADgPwAAAAAAAOA/AAAAAAAA4D8AAAAAAADgPwAAAAAAAOA/AAAAAAAA4D8AAAAAAADgPwAAAAAAAOA/AAAAAAAA4D8CAAAAjAAAAAAAAAAAAAAAu+DjDP///wgAAAAAAAAAAAAAAAAAAAAAAAAAAAAAAAAAAAAAZAAAAAEAAABAAAAAAAAAAAAAAAAAAAAAAAAAAAAAAAAAAAAAAAAAAAAAAAAAAAAAAAAAAAAAAAAAAAAAAAAAAAAAAAAAAAAAAAAAAAAAAAAAAAAAAAAAAAAAAAAAAAAAFAAAADwAAAAAAAAAAAAAAAAAAAkUAAAAAQAAABQAAAAUAAAAFAAAAAEAAAAAAAAAZAAAAGQAAAAAAAAAZAAAAGQAAAAVAAAAYAAAAAAAAAAAAAAADwAAACADAAAAAAAAAAAAAAEAAACgMgAAVgcAAKr4//8BAAAAf39/AAEAAABkAAAAAAAAABQAAABAHwAAAAAAACYAAAAAAAAAwOD//wAAAAAmAAAAZAAAABYAAABMAAAAAAAAAAAAAAAEAAAAAAAAAAEAAACAgIAKAAAAACgAAAAoAAAAZAAAAGQAAAAAAAAAzMzMAAAAAABQAAAAUAAAAGQAAABkAAAAAAAAABcAAAAUAAAAAAAAAAAAAAD/fwAA/38AAAAAAAAJAAAABAAAAJaoyw4eAAAAaAAAAAAAAAAAAAAAAAAAAAAAAAAAAAAAECcAABAnAAAAAAAAAAAAAAAAAAAAAAAAAAAAAAAAAAAAAAAAAAAAABQAAAAAAAAAwMD/AAAAAABkAAAAMgAAAAAAAABkAAAAAAAAAH9/fwAKAAAAIgAAABgAAAAAAAAAAAAAAAAAAAAAAAAAAAAAAAAAAAAkAAAAJAAAAAAAAAAHAAAAAAAAAAAAAAAAAAAAAAAAAAAAAAAAAAAAf39/ACUAAABYAAAAAAAAAAAAAAAAAAAAAAAAAAAAAAAAAAAAAAAAAAAAAAAAAAAAAAAAAAAAAAA/AAAAAAAAAKCGAQAAAAAAAAAAAAAAAAAMAAAAAQAAAAAAAAAAAAAAAAAAAB8AAABUAAAAAAAABQAAAAEAAAAAAAAAAAAAAAAAAAAAAAAAAAAAAAAAAAAAAAAAAAAAAAJ/f38AAAAAA8zMzADAwP8Af39/AAAAAAAAAAAAAAAAAAAAAAAAAAAAIQAAABgAAAAUAAAA7QUAAOERAACtRQAAHBsAABAAAAAmAAAACAAAAIGQAAAAAAAA"/>
               </a:ext>
             </a:extLst>
           </p:cNvSpPr>
@@ -1062,7 +1066,7 @@
           </a:xfrm>
         </p:spPr>
         <p:txBody>
-          <a:bodyPr vert="horz" wrap="square" numCol="1" spcCol="215900" anchor="b">
+          <a:bodyPr vert="horz" wrap="square" lIns="91440" tIns="45720" rIns="91440" bIns="45720" numCol="1" spcCol="215900" anchor="b">
             <a:prstTxWarp prst="textNoShape">
               <a:avLst/>
             </a:prstTxWarp>
@@ -1106,6 +1110,7 @@
             </a:lvl9pPr>
           </a:lstStyle>
           <a:p>
+            <a:pPr/>
             <a:r>
               <a:t>Click to edit Master text styles</a:t>
             </a:r>
@@ -1119,7 +1124,7 @@
             <a:spLocks noGrp="1" noChangeArrowheads="1"/>
             <a:extLst>
               <a:ext uri="smNativeData">
-                <pr:smNativeData xmlns="smNativeData" xmlns:pr="smNativeData" xmlns:p15="http://schemas.microsoft.com/office/powerpoint/2012/main" xmlns:p14="http://schemas.microsoft.com/office/powerpoint/2010/main" xmlns:mc="http://schemas.openxmlformats.org/markup-compatibility/2006" val="SMDATA_15_wwJCaRMAAAAlAAAAZAAAAA8BAAAAkAAAAEgAAACQAAAASAAAAAAAAAABAAAAAAAAAAEAAABQAAAAAAAAAAAA4D8AAAAAAADgPwAAAAAAAOA/AAAAAAAA4D8AAAAAAADgPwAAAAAAAOA/AAAAAAAA4D8AAAAAAADgPwAAAAAAAOA/AAAAAAAA4D8CAAAAjAAAAAAAAAAAAAAAu+DjDP///wgAAAAAAAAAAAAAAAAAAAAAAAAAAAAAAAAAAAAAZAAAAAEAAABAAAAAAAAAAAAAAAAAAAAAAAAAAAAAAAAAAAAAAAAAAAAAAAAAAAAAAAAAAAAAAAAAAAAAAAAAAAAAAAAAAAAAAAAAAAAAAAAAAAAAAAAAAAAAAAAAAAAAFAAAADwAAAAAAAAAAAAAAAAAAAkUAAAAAQAAABQAAAAUAAAAFAAAAAEAAAAAAAAAZAAAAGQAAAAAAAAAZAAAAGQAAAAVAAAAYAAAAAAAAAAAAAAADwAAACADAAAAAAAAAAAAAAEAAACgMgAAVgcAAKr4//8BAAAAf39/AAEAAABkAAAAAAAAABQAAABAHwAAAAAAACYAAAAAAAAAwOD//wAAAAAmAAAAZAAAABYAAABMAAAAAAAAAAAAAAAEAAAAAAAAAAEAAACAgIAKAAAAACgAAAAoAAAAZAAAAGQAAAAAAAAAzMzMAAAAAABQAAAAUAAAAGQAAABkAAAAAAAAABcAAAAUAAAAAAAAAAAAAAD/fwAA/38AAAAAAAAJAAAABAAAAAAAAAAeAAAAaAAAAAAAAAAAAAAAAAAAAAAAAAAAAAAAECcAABAnAAAAAAAAAAAAAAAAAAAAAAAAAAAAAAAAAAAAAAAAAAAAABQAAAAAAAAAwMD/AAAAAABkAAAAMgAAAAAAAABkAAAAAAAAAH9/fwAKAAAAIgAAABgAAAAAAAAAAAAAAAAAAAAAAAAAAAAAAAAAAAAkAAAAJAAAAAAAAAAHAAAAAAAAAAAAAAAAAAAAAAAAAAAAAAAAAAAAf39/ACUAAABYAAAAAAAAAAAAAAAAAAAAAAAAAAAAAAAAAAAAAAAAAAAAAAAAAAAAAAAAAAAAAAA/AAAAAAAAAKCGAQAAAAAAAAAAAAAAAAAMAAAAAQAAAAAAAAAAAAAAAAAAAB8AAABUAAAAAAAABQAAAAEAAAAAAAAAAAAAAAAAAAAAAAAAAAAAAAAAAAAAAAAAAAAAAAJ/f38AAAAAA8zMzADAwP8Af39/AAAAAAAAAAAAAAAAAAAAAAAAAAAAIQAAABgAAAAUAAAAwAMAABsnAAA/FQAAWSkAABAAAAAmAAAACAAAAAAAAAAAAAAA"/>
+                <pr:smNativeData xmlns:pr="smNativeData" xmlns="smNativeData" val="SMDATA_15_SSBGaRMAAAAlAAAAZAAAAA0AAAAAkAAAAEgAAACQAAAASAAAAAAAAAABAAAAAAAAAAEAAABQAAAAAAAAAAAA4D8AAAAAAADgPwAAAAAAAOA/AAAAAAAA4D8AAAAAAADgPwAAAAAAAOA/AAAAAAAA4D8AAAAAAADgPwAAAAAAAOA/AAAAAAAA4D8CAAAAjAAAAAAAAAAAAAAAu+DjDP///wgAAAAAAAAAAAAAAAAAAAAAAAAAAAAAAAAAAAAAZAAAAAEAAABAAAAAAAAAAAAAAAAAAAAAAAAAAAAAAAAAAAAAAAAAAAAAAAAAAAAAAAAAAAAAAAAAAAAAAAAAAAAAAAAAAAAAAAAAAAAAAAAAAAAAAAAAAAAAAAAAAAAAFAAAADwAAAAAAAAAAAAAAAAAAAkUAAAAAQAAABQAAAAUAAAAFAAAAAEAAAAAAAAAZAAAAGQAAAAAAAAAZAAAAGQAAAAVAAAAYAAAAAAAAAAAAAAADwAAACADAAAAAAAAAAAAAAEAAACgMgAAVgcAAKr4//8BAAAAf39/AAEAAABkAAAAAAAAABQAAABAHwAAAAAAACYAAAAAAAAAwOD//wAAAAAmAAAAZAAAABYAAABMAAAAAAAAAAAAAAAEAAAAAAAAAAEAAACAgIAKAAAAACgAAAAoAAAAZAAAAGQAAAAAAAAAzMzMAAAAAABQAAAAUAAAAGQAAABkAAAAAAAAABcAAAAUAAAAAAAAAAAAAAD/fwAA/38AAAAAAAAJAAAABAAAACEAAAAeAAAAaAAAAAAAAAAAAAAAAAAAAAAAAAAAAAAAECcAABAnAAAAAAAAAAAAAAAAAAAAAAAAAAAAAAAAAAAAAAAAAAAAABQAAAAAAAAAwMD/AAAAAABkAAAAMgAAAAAAAABkAAAAAAAAAH9/fwAKAAAAIgAAABgAAAAAAAAAAAAAAAAAAAAAAAAAAAAAAAAAAAAkAAAAJAAAAAAAAAAHAAAAAAAAAAAAAAAAAAAAAAAAAAAAAAAAAAAAf39/ACUAAABYAAAAAAAAAAAAAAAAAAAAAAAAAAAAAAAAAAAAAAAAAAAAAAAAAAAAAAAAAAAAAAA/AAAAAAAAAKCGAQAAAAAAAAAAAAAAAAAMAAAAAQAAAAAAAAAAAAAAAAAAAB8AAABUAAAAAAAABQAAAAEAAAAAAAAAAAAAAAAAAAAAAAAAAAAAAAAAAAAAAAAAAAAAAAJ/f38AAAAAA8zMzADAwP8Af39/AAAAAAAAAAAAAAAAAAAAAAAAAAAAIQAAABgAAAAUAAAAwAMAABsnAAA/FQAAWSkAABAAAAAmAAAACAAAAAAAAAAAAAAA"/>
               </a:ext>
             </a:extLst>
           </p:cNvSpPr>
@@ -1132,10 +1137,10 @@
           <a:bodyPr/>
           <a:lstStyle/>
           <a:p>
-            <a:fld id="{2B3A08AA-E4C6-6FFE-8882-12AB46CC7E47}" type="datetime1">
+            <a:pPr/>
+            <a:fld id="{1B0E8767-29F6-5B71-B8B6-DF24C9F84E8A}" type="datetime1">
               <a:t>12/16/2025</a:t>
             </a:fld>
-            <a:endParaRPr/>
           </a:p>
         </p:txBody>
       </p:sp>
@@ -1146,7 +1151,7 @@
             <a:spLocks noGrp="1" noChangeArrowheads="1"/>
             <a:extLst>
               <a:ext uri="smNativeData">
-                <pr:smNativeData xmlns="smNativeData" xmlns:pr="smNativeData" xmlns:p15="http://schemas.microsoft.com/office/powerpoint/2012/main" xmlns:p14="http://schemas.microsoft.com/office/powerpoint/2010/main" xmlns:mc="http://schemas.openxmlformats.org/markup-compatibility/2006" val="SMDATA_15_wwJCaRMAAAAlAAAAZAAAAA8BAAAAkAAAAEgAAACQAAAASAAAAAAAAAABAAAAAAAAAAEAAABQAAAAAAAAAAAA4D8AAAAAAADgPwAAAAAAAOA/AAAAAAAA4D8AAAAAAADgPwAAAAAAAOA/AAAAAAAA4D8AAAAAAADgPwAAAAAAAOA/AAAAAAAA4D8CAAAAjAAAAAAAAAAAAAAAu+DjDP///wgAAAAAAAAAAAAAAAAAAAAAAAAAAAAAAAAAAAAAZAAAAAEAAABAAAAAAAAAAAAAAAAAAAAAAAAAAAAAAAAAAAAAAAAAAAAAAAAAAAAAAAAAAAAAAAAAAAAAAAAAAAAAAAAAAAAAAAAAAAAAAAAAAAAAAAAAAAAAAAAAAAAAFAAAADwAAAAAAAAAAAAAAAAAAAkUAAAAAQAAABQAAAAUAAAAFAAAAAEAAAAAAAAAZAAAAGQAAAAAAAAAZAAAAGQAAAAVAAAAYAAAAAAAAAAAAAAADwAAACADAAAAAAAAAAAAAAEAAACgMgAAVgcAAKr4//8BAAAAf39/AAEAAABkAAAAAAAAABQAAABAHwAAAAAAACYAAAAAAAAAwOD//wAAAAAmAAAAZAAAABYAAABMAAAAAAAAAAAAAAAEAAAAAAAAAAEAAACAgIAKAAAAACgAAAAoAAAAZAAAAGQAAAAAAAAAzMzMAAAAAABQAAAAUAAAAGQAAABkAAAAAAAAABcAAAAUAAAAAAAAAAAAAAD/fwAA/38AAAAAAAAJAAAABAAAANw7IAEeAAAAaAAAAAAAAAAAAAAAAAAAAAAAAAAAAAAAECcAABAnAAAAAAAAAAAAAAAAAAAAAAAAAAAAAAAAAAAAAAAAAAAAABQAAAAAAAAAwMD/AAAAAABkAAAAMgAAAAAAAABkAAAAAAAAAH9/fwAKAAAAIgAAABgAAAAAAAAAAAAAAAAAAAAAAAAAAAAAAAAAAAAkAAAAJAAAAAAAAAAHAAAAAAAAAAAAAAAAAAAAAAAAAAAAAAAAAAAAf39/ACUAAABYAAAAAAAAAAAAAAAAAAAAAAAAAAAAAAAAAAAAAAAAAAAAAAAAAAAAAAAAAAAAAAA/AAAAAAAAAKCGAQAAAAAAAAAAAAAAAAAMAAAAAQAAAAAAAAAAAAAAAAAAAB8AAABUAAAAAAAABQAAAAEAAAAAAAAAAAAAAAAAAAAAAAAAAAAAAAAAAAAAAAAAAAAAAAJ/f38AAAAAA8zMzADAwP8Af39/AAAAAAAAAAAAAAAAAAAAAAAAAAAAIQAAABgAAAAUAAAAoRkAABsnAABfMQAAWSkAABAAAAAmAAAACAAAAAAAAAAAAAAA"/>
+                <pr:smNativeData xmlns:pr="smNativeData" xmlns="smNativeData" val="SMDATA_15_SSBGaRMAAAAlAAAAZAAAAA0AAAAAkAAAAEgAAACQAAAASAAAAAAAAAABAAAAAAAAAAEAAABQAAAAAAAAAAAA4D8AAAAAAADgPwAAAAAAAOA/AAAAAAAA4D8AAAAAAADgPwAAAAAAAOA/AAAAAAAA4D8AAAAAAADgPwAAAAAAAOA/AAAAAAAA4D8CAAAAjAAAAAAAAAAAAAAAu+DjDP///wgAAAAAAAAAAAAAAAAAAAAAAAAAAAAAAAAAAAAAZAAAAAEAAABAAAAAAAAAAAAAAAAAAAAAAAAAAAAAAAAAAAAAAAAAAAAAAAAAAAAAAAAAAAAAAAAAAAAAAAAAAAAAAAAAAAAAAAAAAAAAAAAAAAAAAAAAAAAAAAAAAAAAFAAAADwAAAAAAAAAAAAAAAAAAAkUAAAAAQAAABQAAAAUAAAAFAAAAAEAAAAAAAAAZAAAAGQAAAAAAAAAZAAAAGQAAAAVAAAAYAAAAAAAAAAAAAAADwAAACADAAAAAAAAAAAAAAEAAACgMgAAVgcAAKr4//8BAAAAf39/AAEAAABkAAAAAAAAABQAAABAHwAAAAAAACYAAAAAAAAAwOD//wAAAAAmAAAAZAAAABYAAABMAAAAAAAAAAAAAAAEAAAAAAAAAAEAAACAgIAKAAAAACgAAAAoAAAAZAAAAGQAAAAAAAAAzMzMAAAAAABQAAAAUAAAAGQAAABkAAAAAAAAABcAAAAUAAAAAAAAAAAAAAD/fwAA/38AAAAAAAAJAAAABAAAAAAAAAAeAAAAaAAAAAAAAAAAAAAAAAAAAAAAAAAAAAAAECcAABAnAAAAAAAAAAAAAAAAAAAAAAAAAAAAAAAAAAAAAAAAAAAAABQAAAAAAAAAwMD/AAAAAABkAAAAMgAAAAAAAABkAAAAAAAAAH9/fwAKAAAAIgAAABgAAAAAAAAAAAAAAAAAAAAAAAAAAAAAAAAAAAAkAAAAJAAAAAAAAAAHAAAAAAAAAAAAAAAAAAAAAAAAAAAAAAAAAAAAf39/ACUAAABYAAAAAAAAAAAAAAAAAAAAAAAAAAAAAAAAAAAAAAAAAAAAAAAAAAAAAAAAAAAAAAA/AAAAAAAAAKCGAQAAAAAAAAAAAAAAAAAMAAAAAQAAAAAAAAAAAAAAAAAAAB8AAABUAAAAAAAABQAAAAEAAAAAAAAAAAAAAAAAAAAAAAAAAAAAAAAAAAAAAAAAAAAAAAJ/f38AAAAAA8zMzADAwP8Af39/AAAAAAAAAAAAAAAAAAAAAAAAAAAAIQAAABgAAAAUAAAAoRkAABsnAABfMQAAWSkAABAAAAAmAAAACAAAAAAAAAAAAAAA"/>
               </a:ext>
             </a:extLst>
           </p:cNvSpPr>
@@ -1159,7 +1164,7 @@
           <a:bodyPr/>
           <a:lstStyle/>
           <a:p>
-            <a:endParaRPr/>
+            <a:pPr/>
           </a:p>
         </p:txBody>
       </p:sp>
@@ -1170,7 +1175,7 @@
             <a:spLocks noGrp="1" noChangeArrowheads="1"/>
             <a:extLst>
               <a:ext uri="smNativeData">
-                <pr:smNativeData xmlns="smNativeData" xmlns:pr="smNativeData" xmlns:p15="http://schemas.microsoft.com/office/powerpoint/2012/main" xmlns:p14="http://schemas.microsoft.com/office/powerpoint/2010/main" xmlns:mc="http://schemas.openxmlformats.org/markup-compatibility/2006" val="SMDATA_15_wwJCaRMAAAAlAAAAZAAAAA8BAAAAkAAAAEgAAACQAAAASAAAAAAAAAABAAAAAAAAAAEAAABQAAAAAAAAAAAA4D8AAAAAAADgPwAAAAAAAOA/AAAAAAAA4D8AAAAAAADgPwAAAAAAAOA/AAAAAAAA4D8AAAAAAADgPwAAAAAAAOA/AAAAAAAA4D8CAAAAjAAAAAAAAAAAAAAAu+DjDP///wgAAAAAAAAAAAAAAAAAAAAAAAAAAAAAAAAAAAAAZAAAAAEAAABAAAAAAAAAAAAAAAAAAAAAAAAAAAAAAAAAAAAAAAAAAAAAAAAAAAAAAAAAAAAAAAAAAAAAAAAAAAAAAAAAAAAAAAAAAAAAAAAAAAAAAAAAAAAAAAAAAAAAFAAAADwAAAAAAAAAAAAAAAAAAAkUAAAAAQAAABQAAAAUAAAAFAAAAAEAAAAAAAAAZAAAAGQAAAAAAAAAZAAAAGQAAAAVAAAAYAAAAAAAAAAAAAAADwAAACADAAAAAAAAAAAAAAEAAACgMgAAVgcAAKr4//8BAAAAf39/AAEAAABkAAAAAAAAABQAAABAHwAAAAAAACYAAAAAAAAAwOD//wAAAAAmAAAAZAAAABYAAABMAAAAAAAAAAAAAAAEAAAAAAAAAAEAAACAgIAKAAAAACgAAAAoAAAAZAAAAGQAAAAAAAAAzMzMAAAAAABQAAAAUAAAAGQAAABkAAAAAAAAABcAAAAUAAAAAAAAAAAAAAD/fwAA/38AAAAAAAAJAAAABAAAANw7IAEeAAAAaAAAAAAAAAAAAAAAAAAAAAAAAAAAAAAAECcAABAnAAAAAAAAAAAAAAAAAAAAAAAAAAAAAAAAAAAAAAAAAAAAABQAAAAAAAAAwMD/AAAAAABkAAAAMgAAAAAAAABkAAAAAAAAAH9/fwAKAAAAIgAAABgAAAAAAAAAAAAAAAAAAAAAAAAAAAAAAAAAAAAkAAAAJAAAAAAAAAAHAAAAAAAAAAAAAAAAAAAAAAAAAAAAAAAAAAAAf39/ACUAAABYAAAAAAAAAAAAAAAAAAAAAAAAAAAAAAAAAAAAAAAAAAAAAAAAAAAAAAAAAAAAAAA/AAAAAAAAAKCGAQAAAAAAAAAAAAAAAAAMAAAAAQAAAAAAAAAAAAAAAAAAAB8AAABUAAAAAAAABQAAAAEAAAAAAAAAAAAAAAAAAAAAAAAAAAAAAAAAAAAAAAAAAAAAAAJ/f38AAAAAA8zMzADAwP8Af39/AAAAAAAAAAAAAAAAAAAAAAAAAAAAIQAAABgAAAAUAAAAwTUAABsnAABARwAAWSkAABAAAAAmAAAACAAAAAAAAAAAAAAA"/>
+                <pr:smNativeData xmlns:pr="smNativeData" xmlns="smNativeData" val="SMDATA_15_SSBGaRMAAAAlAAAAZAAAAA0AAAAAkAAAAEgAAACQAAAASAAAAAAAAAABAAAAAAAAAAEAAABQAAAAAAAAAAAA4D8AAAAAAADgPwAAAAAAAOA/AAAAAAAA4D8AAAAAAADgPwAAAAAAAOA/AAAAAAAA4D8AAAAAAADgPwAAAAAAAOA/AAAAAAAA4D8CAAAAjAAAAAAAAAAAAAAAu+DjDP///wgAAAAAAAAAAAAAAAAAAAAAAAAAAAAAAAAAAAAAZAAAAAEAAABAAAAAAAAAAAAAAAAAAAAAAAAAAAAAAAAAAAAAAAAAAAAAAAAAAAAAAAAAAAAAAAAAAAAAAAAAAAAAAAAAAAAAAAAAAAAAAAAAAAAAAAAAAAAAAAAAAAAAFAAAADwAAAAAAAAAAAAAAAAAAAkUAAAAAQAAABQAAAAUAAAAFAAAAAEAAAAAAAAAZAAAAGQAAAAAAAAAZAAAAGQAAAAVAAAAYAAAAAAAAAAAAAAADwAAACADAAAAAAAAAAAAAAEAAACgMgAAVgcAAKr4//8BAAAAf39/AAEAAABkAAAAAAAAABQAAABAHwAAAAAAACYAAAAAAAAAwOD//wAAAAAmAAAAZAAAABYAAABMAAAAAAAAAAAAAAAEAAAAAAAAAAEAAACAgIAKAAAAACgAAAAoAAAAZAAAAGQAAAAAAAAAzMzMAAAAAABQAAAAUAAAAGQAAABkAAAAAAAAABcAAAAUAAAAAAAAAAAAAAD/fwAA/38AAAAAAAAJAAAABAAAAEAoWAweAAAAaAAAAAAAAAAAAAAAAAAAAAAAAAAAAAAAECcAABAnAAAAAAAAAAAAAAAAAAAAAAAAAAAAAAAAAAAAAAAAAAAAABQAAAAAAAAAwMD/AAAAAABkAAAAMgAAAAAAAABkAAAAAAAAAH9/fwAKAAAAIgAAABgAAAAAAAAAAAAAAAAAAAAAAAAAAAAAAAAAAAAkAAAAJAAAAAAAAAAHAAAAAAAAAAAAAAAAAAAAAAAAAAAAAAAAAAAAf39/ACUAAABYAAAAAAAAAAAAAAAAAAAAAAAAAAAAAAAAAAAAAAAAAAAAAAAAAAAAAAAAAAAAAAA/AAAAAAAAAKCGAQAAAAAAAAAAAAAAAAAMAAAAAQAAAAAAAAAAAAAAAAAAAB8AAABUAAAAAAAABQAAAAEAAAAAAAAAAAAAAAAAAAAAAAAAAAAAAAAAAAAAAAAAAAAAAAJ/f38AAAAAA8zMzADAwP8Af39/AAAAAAAAAAAAAAAAAAAAAAAAAAAAIQAAABgAAAAUAAAAwTUAABsnAABARwAAWSkAABAAAAAmAAAACAAAAAAAAAAAAAAA"/>
               </a:ext>
             </a:extLst>
           </p:cNvSpPr>
@@ -1183,10 +1188,10 @@
           <a:bodyPr/>
           <a:lstStyle/>
           <a:p>
-            <a:fld id="{2B3A0D90-DEC6-6FFB-8882-28AE43CC7E7D}" type="slidenum">
+            <a:pPr/>
+            <a:fld id="{1B0EADFD-B3F6-5B5B-B8B6-450EE3F84E10}" type="slidenum">
               <a:t>‹#›</a:t>
             </a:fld>
-            <a:endParaRPr/>
           </a:p>
         </p:txBody>
       </p:sp>
@@ -1200,7 +1205,7 @@
 </file>
 
 <file path=ppt/slideLayouts/slideLayout4.xml><?xml version="1.0" encoding="utf-8"?>
-<p:sldLayout xmlns:a="http://schemas.openxmlformats.org/drawingml/2006/main" xmlns:r="http://schemas.openxmlformats.org/officeDocument/2006/relationships" xmlns:p="http://schemas.openxmlformats.org/presentationml/2006/main" type="twoColTx">
+<p:sldLayout xmlns:p="http://schemas.openxmlformats.org/presentationml/2006/main" xmlns:mc="http://schemas.openxmlformats.org/markup-compatibility/2006" xmlns:p14="http://schemas.microsoft.com/office/powerpoint/2010/main" xmlns:p15="http://schemas.microsoft.com/office/powerpoint/2012/main" xmlns:r="http://schemas.openxmlformats.org/officeDocument/2006/relationships" xmlns:a="http://schemas.openxmlformats.org/drawingml/2006/main" type="twoColTx">
   <p:cSld name="Title and two contents">
     <p:spTree>
       <p:nvGrpSpPr>
@@ -1223,7 +1228,7 @@
             <a:spLocks noGrp="1" noChangeArrowheads="1"/>
             <a:extLst>
               <a:ext uri="smNativeData">
-                <pr:smNativeData xmlns="smNativeData" xmlns:pr="smNativeData" xmlns:p15="http://schemas.microsoft.com/office/powerpoint/2012/main" xmlns:p14="http://schemas.microsoft.com/office/powerpoint/2010/main" xmlns:mc="http://schemas.openxmlformats.org/markup-compatibility/2006" val="SMDATA_15_wwJCaRMAAAAlAAAAZAAAAA8BAAAAkAAAAEgAAACQAAAASAAAAAAAAAABAAAAAAAAAAEAAABQAAAAAAAAAAAA4D8AAAAAAADgPwAAAAAAAOA/AAAAAAAA4D8AAAAAAADgPwAAAAAAAOA/AAAAAAAA4D8AAAAAAADgPwAAAAAAAOA/AAAAAAAA4D8CAAAAjAAAAAAAAAAAAAAAu+DjDP///wgAAAAAAAAAAAAAAAAAAAAAAAAAAAAAAAAAAAAAZAAAAAEAAABAAAAAAAAAAAAAAAAAAAAAAAAAAAAAAAAAAAAAAAAAAAAAAAAAAAAAAAAAAAAAAAAAAAAAAAAAAAAAAAAAAAAAAAAAAAAAAAAAAAAAAAAAAAAAAAAAAAAAFAAAADwAAAAAAAAAAAAAAAAAAAkUAAAAAQAAABQAAAAUAAAAFAAAAAEAAAAAAAAAZAAAAGQAAAAAAAAAZAAAAGQAAAAVAAAAYAAAAAAAAAAAAAAADwAAACADAAAAAAAAAAAAAAEAAACgMgAAVgcAAKr4//8BAAAAf39/AAEAAABkAAAAAAAAABQAAABAHwAAAAAAACYAAAAAAAAAwOD//wAAAAAmAAAAZAAAABYAAABMAAAAAAAAAAAAAAAEAAAAAAAAAAEAAACAgIAKAAAAACgAAAAoAAAAZAAAAGQAAAAAAAAAzMzMAAAAAABQAAAAUAAAAGQAAABkAAAAAAAAABcAAAAUAAAAAAAAAAAAAAD/fwAA/38AAAAAAAAJAAAABAAAANw7IAEeAAAAaAAAAAAAAAAAAAAAAAAAAAAAAAAAAAAAECcAABAnAAAAAAAAAAAAAAAAAAAAAAAAAAAAAAAAAAAAAAAAAAAAABQAAAAAAAAAwMD/AAAAAABkAAAAMgAAAAAAAABkAAAAAAAAAH9/fwAKAAAAIgAAABgAAAAAAAAAAAAAAAAAAAAAAAAAAAAAAAAAAAAkAAAAJAAAAAAAAAAHAAAAAAAAAAAAAAAAAAAAAAAAAAAAAAAAAAAAf39/ACUAAABYAAAAAAAAAAAAAAAAAAAAAAAAAAAAAAAAAAAAAAAAAAAAAAAAAAAAAAAAAAAAAAA/AAAAAAAAAKCGAQAAAAAAAAAAAAAAAAAMAAAAAQAAAAAAAAAAAAAAAAAAAB8AAABUAAAAAAAABQAAAAEAAAAAAAAAAAAAAAAAAAAAAAAAAAAAAAAAAAAAAAAAAAAAAAJ/f38AAAAAA8zMzADAwP8Af39/AAAAAAAAAAAAAAAAAAAAAAAAAAAAIQAAABgAAAAUAAAAwAMAALABAABARwAAuAgAABAAAAAmAAAACAAAAAAAAAAAAAAA"/>
+                <pr:smNativeData xmlns:pr="smNativeData" xmlns="smNativeData" val="SMDATA_15_SSBGaRMAAAAlAAAAZAAAAA0AAAAAkAAAAEgAAACQAAAASAAAAAAAAAABAAAAAAAAAAEAAABQAAAAAAAAAAAA4D8AAAAAAADgPwAAAAAAAOA/AAAAAAAA4D8AAAAAAADgPwAAAAAAAOA/AAAAAAAA4D8AAAAAAADgPwAAAAAAAOA/AAAAAAAA4D8CAAAAjAAAAAAAAAAAAAAAu+DjDP///wgAAAAAAAAAAAAAAAAAAAAAAAAAAAAAAAAAAAAAZAAAAAEAAABAAAAAAAAAAAAAAAAAAAAAAAAAAAAAAAAAAAAAAAAAAAAAAAAAAAAAAAAAAAAAAAAAAAAAAAAAAAAAAAAAAAAAAAAAAAAAAAAAAAAAAAAAAAAAAAAAAAAAFAAAADwAAAAAAAAAAAAAAAAAAAkUAAAAAQAAABQAAAAUAAAAFAAAAAEAAAAAAAAAZAAAAGQAAAAAAAAAZAAAAGQAAAAVAAAAYAAAAAAAAAAAAAAADwAAACADAAAAAAAAAAAAAAEAAACgMgAAVgcAAKr4//8BAAAAf39/AAEAAABkAAAAAAAAABQAAABAHwAAAAAAACYAAAAAAAAAwOD//wAAAAAmAAAAZAAAABYAAABMAAAAAAAAAAAAAAAEAAAAAAAAAAEAAACAgIAKAAAAACgAAAAoAAAAZAAAAGQAAAAAAAAAzMzMAAAAAABQAAAAUAAAAGQAAABkAAAAAAAAABcAAAAUAAAAAAAAAAAAAAD/fwAA/38AAAAAAAAJAAAABAAAAAAAAAAeAAAAaAAAAAAAAAAAAAAAAAAAAAAAAAAAAAAAECcAABAnAAAAAAAAAAAAAAAAAAAAAAAAAAAAAAAAAAAAAAAAAAAAABQAAAAAAAAAwMD/AAAAAABkAAAAMgAAAAAAAABkAAAAAAAAAH9/fwAKAAAAIgAAABgAAAAAAAAAAAAAAAAAAAAAAAAAAAAAAAAAAAAkAAAAJAAAAAAAAAAHAAAAAAAAAAAAAAAAAAAAAAAAAAAAAAAAAAAAf39/ACUAAABYAAAAAAAAAAAAAAAAAAAAAAAAAAAAAAAAAAAAAAAAAAAAAAAAAAAAAAAAAAAAAAA/AAAAAAAAAKCGAQAAAAAAAAAAAAAAAAAMAAAAAQAAAAAAAAAAAAAAAAAAAB8AAABUAAAAAAAABQAAAAEAAAAAAAAAAAAAAAAAAAAAAAAAAAAAAAAAAAAAAAAAAAAAAAJ/f38AAAAAA8zMzADAwP8Af39/AAAAAAAAAAAAAAAAAAAAAAAAAAAAIQAAABgAAAAUAAAAwAMAALABAABARwAAuAgAABAAAAAmAAAACAAAAAAAAAAAAAAA"/>
               </a:ext>
             </a:extLst>
           </p:cNvSpPr>
@@ -1236,6 +1241,7 @@
           <a:bodyPr/>
           <a:lstStyle/>
           <a:p>
+            <a:pPr/>
             <a:r>
               <a:t>Click to edit Master title style</a:t>
             </a:r>
@@ -1249,7 +1255,7 @@
             <a:spLocks noGrp="1" noChangeArrowheads="1"/>
             <a:extLst>
               <a:ext uri="smNativeData">
-                <pr:smNativeData xmlns="smNativeData" xmlns:pr="smNativeData" xmlns:p15="http://schemas.microsoft.com/office/powerpoint/2012/main" xmlns:p14="http://schemas.microsoft.com/office/powerpoint/2010/main" xmlns:mc="http://schemas.openxmlformats.org/markup-compatibility/2006" val="SMDATA_15_wwJCaRMAAAAlAAAAZAAAAA8BAAAAkAAAAEgAAACQAAAASAAAAAAAAAAAAAAAAAAAAAEAAABQAAAAAAAAAAAA4D8AAAAAAADgPwAAAAAAAOA/AAAAAAAA4D8AAAAAAADgPwAAAAAAAOA/AAAAAAAA4D8AAAAAAADgPwAAAAAAAOA/AAAAAAAA4D8CAAAAjAAAAAAAAAAAAAAAu+DjDP///wgAAAAAAAAAAAAAAAAAAAAAAAAAAAAAAAAAAAAAZAAAAAEAAABAAAAAAAAAAAAAAAAAAAAAAAAAAAAAAAAAAAAAAAAAAAAAAAAAAAAAAAAAAAAAAAAAAAAAAAAAAAAAAAAAAAAAAAAAAAAAAAAAAAAAAAAAAAAAAAAAAAAAFAAAADwAAAAAAAAAAAAAAAAAAAkUAAAAAQAAABQAAAAUAAAAFAAAAAEAAAAAAAAAZAAAAGQAAAAAAAAAZAAAAGQAAAAVAAAAYAAAAAAAAAAAAAAADwAAACADAAAAAAAAAAAAAAEAAACgMgAAVgcAAKr4//8BAAAAf39/AAEAAABkAAAAAAAAABQAAABAHwAAAAAAACYAAAAAAAAAwOD//wAAAAAmAAAAZAAAABYAAABMAAAAAAAAAAAAAAAEAAAAAAAAAAEAAACAgIAKAAAAACgAAAAoAAAAZAAAAGQAAAAAAAAAzMzMAAAAAABQAAAAUAAAAGQAAABkAAAAAAAAABcAAAAUAAAAAAAAAAAAAAD/fwAA/38AAAAAAAAJAAAABAAAANw7IAEeAAAAaAAAAAAAAAAAAAAAAAAAAAAAAAAAAAAAECcAABAnAAAAAAAAAAAAAAAAAAAAAAAAAAAAAAAAAAAAAAAAAAAAABQAAAAAAAAAwMD/AAAAAABkAAAAMgAAAAAAAABkAAAAAAAAAH9/fwAKAAAAIgAAABgAAAAAAAAAAAAAAAAAAAAAAAAAAAAAAAAAAAAkAAAAJAAAAAAAAAAHAAAAAAAAAAAAAAAAAAAAAAAAAAAAAAAAAAAAf39/ACUAAABYAAAAAAAAAAAAAAAAAAAAAAAAAAAAAAAAAAAAAAAAAAAAAAAAAAAAAAAAAAAAAAA/AAAAAAAAAKCGAQAAAAAAAAAAAAAAAAAMAAAAAQAAAAAAAAAAAAAAAAAAAB8AAABUAAAAAAAABQAAAAEAAAAAAAAAAAAAAAAAAAAAAAAAAAAAAAAAAAAAAAAAAAAAAAJ/f38AAAAAA8zMzADAwP8Af39/AAAAAAAAAAAAAAAAAAAAAAAAAAAAIQAAABgAAAAUAAAAwAMAANgJAADhJAAAsCUAABAAAAAmAAAACAAAAAGAAAAAAAAA"/>
+                <pr:smNativeData xmlns:pr="smNativeData" xmlns="smNativeData" val="SMDATA_15_SSBGaRMAAAAlAAAAZAAAAA0AAAAAkAAAAEgAAACQAAAASAAAAAAAAAAAAAAAAAAAAAEAAABQAAAAAAAAAAAA4D8AAAAAAADgPwAAAAAAAOA/AAAAAAAA4D8AAAAAAADgPwAAAAAAAOA/AAAAAAAA4D8AAAAAAADgPwAAAAAAAOA/AAAAAAAA4D8CAAAAjAAAAAAAAAAAAAAAu+DjDP///wgAAAAAAAAAAAAAAAAAAAAAAAAAAAAAAAAAAAAAZAAAAAEAAABAAAAAAAAAAAAAAAAAAAAAAAAAAAAAAAAAAAAAAAAAAAAAAAAAAAAAAAAAAAAAAAAAAAAAAAAAAAAAAAAAAAAAAAAAAAAAAAAAAAAAAAAAAAAAAAAAAAAAFAAAADwAAAAAAAAAAAAAAAAAAAkUAAAAAQAAABQAAAAUAAAAFAAAAAEAAAAAAAAAZAAAAGQAAAAAAAAAZAAAAGQAAAAVAAAAYAAAAAAAAAAAAAAADwAAACADAAAAAAAAAAAAAAEAAACgMgAAVgcAAKr4//8BAAAAf39/AAEAAABkAAAAAAAAABQAAABAHwAAAAAAACYAAAAAAAAAwOD//wAAAAAmAAAAZAAAABYAAABMAAAAAAAAAAAAAAAEAAAAAAAAAAEAAACAgIAKAAAAACgAAAAoAAAAZAAAAGQAAAAAAAAAzMzMAAAAAABQAAAAUAAAAGQAAABkAAAAAAAAABcAAAAUAAAAAAAAAAAAAAD/fwAA/38AAAAAAAAJAAAABAAAAJgGAAAeAAAAaAAAAAAAAAAAAAAAAAAAAAAAAAAAAAAAECcAABAnAAAAAAAAAAAAAAAAAAAAAAAAAAAAAAAAAAAAAAAAAAAAABQAAAAAAAAAwMD/AAAAAABkAAAAMgAAAAAAAABkAAAAAAAAAH9/fwAKAAAAIgAAABgAAAAAAAAAAAAAAAAAAAAAAAAAAAAAAAAAAAAkAAAAJAAAAAAAAAAHAAAAAAAAAAAAAAAAAAAAAAAAAAAAAAAAAAAAf39/ACUAAABYAAAAAAAAAAAAAAAAAAAAAAAAAAAAAAAAAAAAAAAAAAAAAAAAAAAAAAAAAAAAAAA/AAAAAAAAAKCGAQAAAAAAAAAAAAAAAAAMAAAAAQAAAAAAAAAAAAAAAAAAAB8AAABUAAAAAAAABQAAAAEAAAAAAAAAAAAAAAAAAAAAAAAAAAAAAAAAAAAAAAAAAAAAAAJ/f38AAAAAA8zMzADAwP8Af39/AAAAAAAAAAAAAAAAAAAAAAAAAAAAIQAAABgAAAAUAAAAwAMAANgJAADhJAAAsCUAABAAAAAmAAAACAAAAAGAAAAAAAAA"/>
               </a:ext>
             </a:extLst>
           </p:cNvSpPr>
@@ -1295,6 +1301,7 @@
             </a:lvl9pPr>
           </a:lstStyle>
           <a:p>
+            <a:pPr/>
             <a:r>
               <a:t>Click to edit Master text styles</a:t>
             </a:r>
@@ -1332,7 +1339,7 @@
             <a:spLocks noGrp="1" noChangeArrowheads="1"/>
             <a:extLst>
               <a:ext uri="smNativeData">
-                <pr:smNativeData xmlns="smNativeData" xmlns:pr="smNativeData" xmlns:p15="http://schemas.microsoft.com/office/powerpoint/2012/main" xmlns:p14="http://schemas.microsoft.com/office/powerpoint/2010/main" xmlns:mc="http://schemas.openxmlformats.org/markup-compatibility/2006" val="SMDATA_15_wwJCaRMAAAAlAAAAZAAAAA8BAAAAkAAAAEgAAACQAAAASAAAAAAAAAAAAAAAAAAAAAEAAABQAAAAAAAAAAAA4D8AAAAAAADgPwAAAAAAAOA/AAAAAAAA4D8AAAAAAADgPwAAAAAAAOA/AAAAAAAA4D8AAAAAAADgPwAAAAAAAOA/AAAAAAAA4D8CAAAAjAAAAAAAAAAAAAAAu+DjDP///wgAAAAAAAAAAAAAAAAAAAAAAAAAAAAAAAAAAAAAZAAAAAEAAABAAAAAAAAAAAAAAAAAAAAAAAAAAAAAAAAAAAAAAAAAAAAAAAAAAAAAAAAAAAAAAAAAAAAAAAAAAAAAAAAAAAAAAAAAAAAAAAAAAAAAAAAAAAAAAAAAAAAAFAAAADwAAAAAAAAAAAAAAAAAAAkUAAAAAQAAABQAAAAUAAAAFAAAAAEAAAAAAAAAZAAAAGQAAAAAAAAAZAAAAGQAAAAVAAAAYAAAAAAAAAAAAAAADwAAACADAAAAAAAAAAAAAAEAAACgMgAAVgcAAKr4//8BAAAAf39/AAEAAABkAAAAAAAAABQAAABAHwAAAAAAACYAAAAAAAAAwOD//wAAAAAmAAAAZAAAABYAAABMAAAAAAAAAAAAAAAEAAAAAAAAAAEAAACAgIAKAAAAACgAAAAoAAAAZAAAAGQAAAAAAAAAzMzMAAAAAABQAAAAUAAAAGQAAABkAAAAAAAAABcAAAAUAAAAAAAAAAAAAAD/fwAA/38AAAAAAAAJAAAABAAAANw7IAEeAAAAaAAAAAAAAAAAAAAAAAAAAAAAAAAAAAAAECcAABAnAAAAAAAAAAAAAAAAAAAAAAAAAAAAAAAAAAAAAAAAAAAAABQAAAAAAAAAwMD/AAAAAABkAAAAMgAAAAAAAABkAAAAAAAAAH9/fwAKAAAAIgAAABgAAAAAAAAAAAAAAAAAAAAAAAAAAAAAAAAAAAAkAAAAJAAAAAAAAAAHAAAAAAAAAAAAAAAAAAAAAAAAAAAAAAAAAAAAf39/ACUAAABYAAAAAAAAAAAAAAAAAAAAAAAAAAAAAAAAAAAAAAAAAAAAAAAAAAAAAAAAAAAAAAA/AAAAAAAAAKCGAQAAAAAAAAAAAAAAAAAMAAAAAQAAAAAAAAAAAAAAAAAAAB8AAABUAAAAAAAABQAAAAEAAAAAAAAAAAAAAAAAAAAAAAAAAAAAAAAAAAAAAAAAAAAAAAJ/f38AAAAAA8zMzADAwP8Af39/AAAAAAAAAAAAAAAAAAAAAAAAAAAAIQAAABgAAAAUAAAAHyYAANgJAABARwAAsCUAABAAAAAmAAAACAAAAAGAAAAAAAAA"/>
+                <pr:smNativeData xmlns:pr="smNativeData" xmlns="smNativeData" val="SMDATA_15_SSBGaRMAAAAlAAAAZAAAAA0AAAAAkAAAAEgAAACQAAAASAAAAAAAAAAAAAAAAAAAAAEAAABQAAAAAAAAAAAA4D8AAAAAAADgPwAAAAAAAOA/AAAAAAAA4D8AAAAAAADgPwAAAAAAAOA/AAAAAAAA4D8AAAAAAADgPwAAAAAAAOA/AAAAAAAA4D8CAAAAjAAAAAAAAAAAAAAAu+DjDP///wgAAAAAAAAAAAAAAAAAAAAAAAAAAAAAAAAAAAAAZAAAAAEAAABAAAAAAAAAAAAAAAAAAAAAAAAAAAAAAAAAAAAAAAAAAAAAAAAAAAAAAAAAAAAAAAAAAAAAAAAAAAAAAAAAAAAAAAAAAAAAAAAAAAAAAAAAAAAAAAAAAAAAFAAAADwAAAAAAAAAAAAAAAAAAAkUAAAAAQAAABQAAAAUAAAAFAAAAAEAAAAAAAAAZAAAAGQAAAAAAAAAZAAAAGQAAAAVAAAAYAAAAAAAAAAAAAAADwAAACADAAAAAAAAAAAAAAEAAACgMgAAVgcAAKr4//8BAAAAf39/AAEAAABkAAAAAAAAABQAAABAHwAAAAAAACYAAAAAAAAAwOD//wAAAAAmAAAAZAAAABYAAABMAAAAAAAAAAAAAAAEAAAAAAAAAAEAAACAgIAKAAAAACgAAAAoAAAAZAAAAGQAAAAAAAAAzMzMAAAAAABQAAAAUAAAAGQAAABkAAAAAAAAABcAAAAUAAAAAAAAAAAAAAD/fwAA/38AAAAAAAAJAAAABAAAAFhUxw4eAAAAaAAAAAAAAAAAAAAAAAAAAAAAAAAAAAAAECcAABAnAAAAAAAAAAAAAAAAAAAAAAAAAAAAAAAAAAAAAAAAAAAAABQAAAAAAAAAwMD/AAAAAABkAAAAMgAAAAAAAABkAAAAAAAAAH9/fwAKAAAAIgAAABgAAAAAAAAAAAAAAAAAAAAAAAAAAAAAAAAAAAAkAAAAJAAAAAAAAAAHAAAAAAAAAAAAAAAAAAAAAAAAAAAAAAAAAAAAf39/ACUAAABYAAAAAAAAAAAAAAAAAAAAAAAAAAAAAAAAAAAAAAAAAAAAAAAAAAAAAAAAAAAAAAA/AAAAAAAAAKCGAQAAAAAAAAAAAAAAAAAMAAAAAQAAAAAAAAAAAAAAAAAAAB8AAABUAAAAAAAABQAAAAEAAAAAAAAAAAAAAAAAAAAAAAAAAAAAAAAAAAAAAAAAAAAAAAJ/f38AAAAAA8zMzADAwP8Af39/AAAAAAAAAAAAAAAAAAAAAAAAAAAAIQAAABgAAAAUAAAAHyYAANgJAABARwAAsCUAABAAAAAmAAAACAAAAAGAAAAAAAAA"/>
               </a:ext>
             </a:extLst>
           </p:cNvSpPr>
@@ -1378,6 +1385,7 @@
             </a:lvl9pPr>
           </a:lstStyle>
           <a:p>
+            <a:pPr/>
             <a:r>
               <a:t>Click to edit Master text styles</a:t>
             </a:r>
@@ -1415,7 +1423,7 @@
             <a:spLocks noGrp="1" noChangeArrowheads="1"/>
             <a:extLst>
               <a:ext uri="smNativeData">
-                <pr:smNativeData xmlns="smNativeData" xmlns:pr="smNativeData" xmlns:p15="http://schemas.microsoft.com/office/powerpoint/2012/main" xmlns:p14="http://schemas.microsoft.com/office/powerpoint/2010/main" xmlns:mc="http://schemas.openxmlformats.org/markup-compatibility/2006" val="SMDATA_15_wwJCaRMAAAAlAAAAZAAAAA8BAAAAkAAAAEgAAACQAAAASAAAAAAAAAABAAAAAAAAAAEAAABQAAAAAAAAAAAA4D8AAAAAAADgPwAAAAAAAOA/AAAAAAAA4D8AAAAAAADgPwAAAAAAAOA/AAAAAAAA4D8AAAAAAADgPwAAAAAAAOA/AAAAAAAA4D8CAAAAjAAAAAAAAAAAAAAAu+DjDP///wgAAAAAAAAAAAAAAAAAAAAAAAAAAAAAAAAAAAAAZAAAAAEAAABAAAAAAAAAAAAAAAAAAAAAAAAAAAAAAAAAAAAAAAAAAAAAAAAAAAAAAAAAAAAAAAAAAAAAAAAAAAAAAAAAAAAAAAAAAAAAAAAAAAAAAAAAAAAAAAAAAAAAFAAAADwAAAAAAAAAAAAAAAAAAAkUAAAAAQAAABQAAAAUAAAAFAAAAAEAAAAAAAAAZAAAAGQAAAAAAAAAZAAAAGQAAAAVAAAAYAAAAAAAAAAAAAAADwAAACADAAAAAAAAAAAAAAEAAACgMgAAVgcAAKr4//8BAAAAf39/AAEAAABkAAAAAAAAABQAAABAHwAAAAAAACYAAAAAAAAAwOD//wAAAAAmAAAAZAAAABYAAABMAAAAAAAAAAAAAAAEAAAAAAAAAAEAAACAgIAKAAAAACgAAAAoAAAAZAAAAGQAAAAAAAAAzMzMAAAAAABQAAAAUAAAAGQAAABkAAAAAAAAABcAAAAUAAAAAAAAAAAAAAD/fwAA/38AAAAAAAAJAAAABAAAANw7IAEeAAAAaAAAAAAAAAAAAAAAAAAAAAAAAAAAAAAAECcAABAnAAAAAAAAAAAAAAAAAAAAAAAAAAAAAAAAAAAAAAAAAAAAABQAAAAAAAAAwMD/AAAAAABkAAAAMgAAAAAAAABkAAAAAAAAAH9/fwAKAAAAIgAAABgAAAAAAAAAAAAAAAAAAAAAAAAAAAAAAAAAAAAkAAAAJAAAAAAAAAAHAAAAAAAAAAAAAAAAAAAAAAAAAAAAAAAAAAAAf39/ACUAAABYAAAAAAAAAAAAAAAAAAAAAAAAAAAAAAAAAAAAAAAAAAAAAAAAAAAAAAAAAAAAAAA/AAAAAAAAAKCGAQAAAAAAAAAAAAAAAAAMAAAAAQAAAAAAAAAAAAAAAAAAAB8AAABUAAAAAAAABQAAAAEAAAAAAAAAAAAAAAAAAAAAAAAAAAAAAAAAAAAAAAAAAAAAAAJ/f38AAAAAA8zMzADAwP8Af39/AAAAAAAAAAAAAAAAAAAAAAAAAAAAIQAAABgAAAAUAAAAwAMAABsnAAA/FQAAWSkAABAAAAAmAAAACAAAAAAAAAAAAAAA"/>
+                <pr:smNativeData xmlns:pr="smNativeData" xmlns="smNativeData" val="SMDATA_15_SSBGaRMAAAAlAAAAZAAAAA0AAAAAkAAAAEgAAACQAAAASAAAAAAAAAABAAAAAAAAAAEAAABQAAAAAAAAAAAA4D8AAAAAAADgPwAAAAAAAOA/AAAAAAAA4D8AAAAAAADgPwAAAAAAAOA/AAAAAAAA4D8AAAAAAADgPwAAAAAAAOA/AAAAAAAA4D8CAAAAjAAAAAAAAAAAAAAAu+DjDP///wgAAAAAAAAAAAAAAAAAAAAAAAAAAAAAAAAAAAAAZAAAAAEAAABAAAAAAAAAAAAAAAAAAAAAAAAAAAAAAAAAAAAAAAAAAAAAAAAAAAAAAAAAAAAAAAAAAAAAAAAAAAAAAAAAAAAAAAAAAAAAAAAAAAAAAAAAAAAAAAAAAAAAFAAAADwAAAAAAAAAAAAAAAAAAAkUAAAAAQAAABQAAAAUAAAAFAAAAAEAAAAAAAAAZAAAAGQAAAAAAAAAZAAAAGQAAAAVAAAAYAAAAAAAAAAAAAAADwAAACADAAAAAAAAAAAAAAEAAACgMgAAVgcAAKr4//8BAAAAf39/AAEAAABkAAAAAAAAABQAAABAHwAAAAAAACYAAAAAAAAAwOD//wAAAAAmAAAAZAAAABYAAABMAAAAAAAAAAAAAAAEAAAAAAAAAAEAAACAgIAKAAAAACgAAAAoAAAAZAAAAGQAAAAAAAAAzMzMAAAAAABQAAAAUAAAAGQAAABkAAAAAAAAABcAAAAUAAAAAAAAAAAAAAD/fwAA/38AAAAAAAAJAAAABAAAAAAAAAAeAAAAaAAAAAAAAAAAAAAAAAAAAAAAAAAAAAAAECcAABAnAAAAAAAAAAAAAAAAAAAAAAAAAAAAAAAAAAAAAAAAAAAAABQAAAAAAAAAwMD/AAAAAABkAAAAMgAAAAAAAABkAAAAAAAAAH9/fwAKAAAAIgAAABgAAAAAAAAAAAAAAAAAAAAAAAAAAAAAAAAAAAAkAAAAJAAAAAAAAAAHAAAAAAAAAAAAAAAAAAAAAAAAAAAAAAAAAAAAf39/ACUAAABYAAAAAAAAAAAAAAAAAAAAAAAAAAAAAAAAAAAAAAAAAAAAAAAAAAAAAAAAAAAAAAA/AAAAAAAAAKCGAQAAAAAAAAAAAAAAAAAMAAAAAQAAAAAAAAAAAAAAAAAAAB8AAABUAAAAAAAABQAAAAEAAAAAAAAAAAAAAAAAAAAAAAAAAAAAAAAAAAAAAAAAAAAAAAJ/f38AAAAAA8zMzADAwP8Af39/AAAAAAAAAAAAAAAAAAAAAAAAAAAAIQAAABgAAAAUAAAAwAMAABsnAAA/FQAAWSkAABAAAAAmAAAACAAAAAAAAAAAAAAA"/>
               </a:ext>
             </a:extLst>
           </p:cNvSpPr>
@@ -1428,10 +1436,10 @@
           <a:bodyPr/>
           <a:lstStyle/>
           <a:p>
-            <a:fld id="{2B3A34E3-ADC6-6FC2-8882-5B977ACC7E0E}" type="datetime1">
+            <a:pPr/>
+            <a:fld id="{1B0EB58D-C3F6-5B43-B8B6-3516FBF84E60}" type="datetime1">
               <a:t>12/16/2025</a:t>
             </a:fld>
-            <a:endParaRPr/>
           </a:p>
         </p:txBody>
       </p:sp>
@@ -1442,7 +1450,7 @@
             <a:spLocks noGrp="1" noChangeArrowheads="1"/>
             <a:extLst>
               <a:ext uri="smNativeData">
-                <pr:smNativeData xmlns="smNativeData" xmlns:pr="smNativeData" xmlns:p15="http://schemas.microsoft.com/office/powerpoint/2012/main" xmlns:p14="http://schemas.microsoft.com/office/powerpoint/2010/main" xmlns:mc="http://schemas.openxmlformats.org/markup-compatibility/2006" val="SMDATA_15_wwJCaRMAAAAlAAAAZAAAAA8BAAAAkAAAAEgAAACQAAAASAAAAAAAAAABAAAAAAAAAAEAAABQAAAAAAAAAAAA4D8AAAAAAADgPwAAAAAAAOA/AAAAAAAA4D8AAAAAAADgPwAAAAAAAOA/AAAAAAAA4D8AAAAAAADgPwAAAAAAAOA/AAAAAAAA4D8CAAAAjAAAAAAAAAAAAAAAu+DjDP///wgAAAAAAAAAAAAAAAAAAAAAAAAAAAAAAAAAAAAAZAAAAAEAAABAAAAAAAAAAAAAAAAAAAAAAAAAAAAAAAAAAAAAAAAAAAAAAAAAAAAAAAAAAAAAAAAAAAAAAAAAAAAAAAAAAAAAAAAAAAAAAAAAAAAAAAAAAAAAAAAAAAAAFAAAADwAAAAAAAAAAAAAAAAAAAkUAAAAAQAAABQAAAAUAAAAFAAAAAEAAAAAAAAAZAAAAGQAAAAAAAAAZAAAAGQAAAAVAAAAYAAAAAAAAAAAAAAADwAAACADAAAAAAAAAAAAAAEAAACgMgAAVgcAAKr4//8BAAAAf39/AAEAAABkAAAAAAAAABQAAABAHwAAAAAAACYAAAAAAAAAwOD//wAAAAAmAAAAZAAAABYAAABMAAAAAAAAAAAAAAAEAAAAAAAAAAEAAACAgIAKAAAAACgAAAAoAAAAZAAAAGQAAAAAAAAAzMzMAAAAAABQAAAAUAAAAGQAAABkAAAAAAAAABcAAAAUAAAAAAAAAAAAAAD/fwAA/38AAAAAAAAJAAAABAAAANw7IAEeAAAAaAAAAAAAAAAAAAAAAAAAAAAAAAAAAAAAECcAABAnAAAAAAAAAAAAAAAAAAAAAAAAAAAAAAAAAAAAAAAAAAAAABQAAAAAAAAAwMD/AAAAAABkAAAAMgAAAAAAAABkAAAAAAAAAH9/fwAKAAAAIgAAABgAAAAAAAAAAAAAAAAAAAAAAAAAAAAAAAAAAAAkAAAAJAAAAAAAAAAHAAAAAAAAAAAAAAAAAAAAAAAAAAAAAAAAAAAAf39/ACUAAABYAAAAAAAAAAAAAAAAAAAAAAAAAAAAAAAAAAAAAAAAAAAAAAAAAAAAAAAAAAAAAAA/AAAAAAAAAKCGAQAAAAAAAAAAAAAAAAAMAAAAAQAAAAAAAAAAAAAAAAAAAB8AAABUAAAAAAAABQAAAAEAAAAAAAAAAAAAAAAAAAAAAAAAAAAAAAAAAAAAAAAAAAAAAAJ/f38AAAAAA8zMzADAwP8Af39/AAAAAAAAAAAAAAAAAAAAAAAAAAAAIQAAABgAAAAUAAAAoRkAABsnAABfMQAAWSkAABAAAAAmAAAACAAAAAAAAAAAAAAA"/>
+                <pr:smNativeData xmlns:pr="smNativeData" xmlns="smNativeData" val="SMDATA_15_SSBGaRMAAAAlAAAAZAAAAA0AAAAAkAAAAEgAAACQAAAASAAAAAAAAAABAAAAAAAAAAEAAABQAAAAAAAAAAAA4D8AAAAAAADgPwAAAAAAAOA/AAAAAAAA4D8AAAAAAADgPwAAAAAAAOA/AAAAAAAA4D8AAAAAAADgPwAAAAAAAOA/AAAAAAAA4D8CAAAAjAAAAAAAAAAAAAAAu+DjDP///wgAAAAAAAAAAAAAAAAAAAAAAAAAAAAAAAAAAAAAZAAAAAEAAABAAAAAAAAAAAAAAAAAAAAAAAAAAAAAAAAAAAAAAAAAAAAAAAAAAAAAAAAAAAAAAAAAAAAAAAAAAAAAAAAAAAAAAAAAAAAAAAAAAAAAAAAAAAAAAAAAAAAAFAAAADwAAAAAAAAAAAAAAAAAAAkUAAAAAQAAABQAAAAUAAAAFAAAAAEAAAAAAAAAZAAAAGQAAAAAAAAAZAAAAGQAAAAVAAAAYAAAAAAAAAAAAAAADwAAACADAAAAAAAAAAAAAAEAAACgMgAAVgcAAKr4//8BAAAAf39/AAEAAABkAAAAAAAAABQAAABAHwAAAAAAACYAAAAAAAAAwOD//wAAAAAmAAAAZAAAABYAAABMAAAAAAAAAAAAAAAEAAAAAAAAAAEAAACAgIAKAAAAACgAAAAoAAAAZAAAAGQAAAAAAAAAzMzMAAAAAABQAAAAUAAAAGQAAABkAAAAAAAAABcAAAAUAAAAAAAAAAAAAAD/fwAA/38AAAAAAAAJAAAABAAAAAAAAAAeAAAAaAAAAAAAAAAAAAAAAAAAAAAAAAAAAAAAECcAABAnAAAAAAAAAAAAAAAAAAAAAAAAAAAAAAAAAAAAAAAAAAAAABQAAAAAAAAAwMD/AAAAAABkAAAAMgAAAAAAAABkAAAAAAAAAH9/fwAKAAAAIgAAABgAAAAAAAAAAAAAAAAAAAAAAAAAAAAAAAAAAAAkAAAAJAAAAAAAAAAHAAAAAAAAAAAAAAAAAAAAAAAAAAAAAAAAAAAAf39/ACUAAABYAAAAAAAAAAAAAAAAAAAAAAAAAAAAAAAAAAAAAAAAAAAAAAAAAAAAAAAAAAAAAAA/AAAAAAAAAKCGAQAAAAAAAAAAAAAAAAAMAAAAAQAAAAAAAAAAAAAAAAAAAB8AAABUAAAAAAAABQAAAAEAAAAAAAAAAAAAAAAAAAAAAAAAAAAAAAAAAAAAAAAAAAAAAAJ/f38AAAAAA8zMzADAwP8Af39/AAAAAAAAAAAAAAAAAAAAAAAAAAAAIQAAABgAAAAUAAAAoRkAABsnAABfMQAAWSkAABAAAAAmAAAACAAAAAAAAAAAAAAA"/>
               </a:ext>
             </a:extLst>
           </p:cNvSpPr>
@@ -1455,7 +1463,7 @@
           <a:bodyPr/>
           <a:lstStyle/>
           <a:p>
-            <a:endParaRPr/>
+            <a:pPr/>
           </a:p>
         </p:txBody>
       </p:sp>
@@ -1466,7 +1474,7 @@
             <a:spLocks noGrp="1" noChangeArrowheads="1"/>
             <a:extLst>
               <a:ext uri="smNativeData">
-                <pr:smNativeData xmlns="smNativeData" xmlns:pr="smNativeData" xmlns:p15="http://schemas.microsoft.com/office/powerpoint/2012/main" xmlns:p14="http://schemas.microsoft.com/office/powerpoint/2010/main" xmlns:mc="http://schemas.openxmlformats.org/markup-compatibility/2006" val="SMDATA_15_wwJCaRMAAAAlAAAAZAAAAA8BAAAAkAAAAEgAAACQAAAASAAAAAAAAAABAAAAAAAAAAEAAABQAAAAAAAAAAAA4D8AAAAAAADgPwAAAAAAAOA/AAAAAAAA4D8AAAAAAADgPwAAAAAAAOA/AAAAAAAA4D8AAAAAAADgPwAAAAAAAOA/AAAAAAAA4D8CAAAAjAAAAAAAAAAAAAAAu+DjDP///wgAAAAAAAAAAAAAAAAAAAAAAAAAAAAAAAAAAAAAZAAAAAEAAABAAAAAAAAAAAAAAAAAAAAAAAAAAAAAAAAAAAAAAAAAAAAAAAAAAAAAAAAAAAAAAAAAAAAAAAAAAAAAAAAAAAAAAAAAAAAAAAAAAAAAAAAAAAAAAAAAAAAAFAAAADwAAAAAAAAAAAAAAAAAAAkUAAAAAQAAABQAAAAUAAAAFAAAAAEAAAAAAAAAZAAAAGQAAAAAAAAAZAAAAGQAAAAVAAAAYAAAAAAAAAAAAAAADwAAACADAAAAAAAAAAAAAAEAAACgMgAAVgcAAKr4//8BAAAAf39/AAEAAABkAAAAAAAAABQAAABAHwAAAAAAACYAAAAAAAAAwOD//wAAAAAmAAAAZAAAABYAAABMAAAAAAAAAAAAAAAEAAAAAAAAAAEAAACAgIAKAAAAACgAAAAoAAAAZAAAAGQAAAAAAAAAzMzMAAAAAABQAAAAUAAAAGQAAABkAAAAAAAAABcAAAAUAAAAAAAAAAAAAAD/fwAA/38AAAAAAAAJAAAABAAAANw7IAEeAAAAaAAAAAAAAAAAAAAAAAAAAAAAAAAAAAAAECcAABAnAAAAAAAAAAAAAAAAAAAAAAAAAAAAAAAAAAAAAAAAAAAAABQAAAAAAAAAwMD/AAAAAABkAAAAMgAAAAAAAABkAAAAAAAAAH9/fwAKAAAAIgAAABgAAAAAAAAAAAAAAAAAAAAAAAAAAAAAAAAAAAAkAAAAJAAAAAAAAAAHAAAAAAAAAAAAAAAAAAAAAAAAAAAAAAAAAAAAf39/ACUAAABYAAAAAAAAAAAAAAAAAAAAAAAAAAAAAAAAAAAAAAAAAAAAAAAAAAAAAAAAAAAAAAA/AAAAAAAAAKCGAQAAAAAAAAAAAAAAAAAMAAAAAQAAAAAAAAAAAAAAAAAAAB8AAABUAAAAAAAABQAAAAEAAAAAAAAAAAAAAAAAAAAAAAAAAAAAAAAAAAAAAAAAAAAAAAJ/f38AAAAAA8zMzADAwP8Af39/AAAAAAAAAAAAAAAAAAAAAAAAAAAAIQAAABgAAAAUAAAAwTUAABsnAABARwAAWSkAABAAAAAmAAAACAAAAAAAAAAAAAAA"/>
+                <pr:smNativeData xmlns:pr="smNativeData" xmlns="smNativeData" val="SMDATA_15_SSBGaRMAAAAlAAAAZAAAAA0AAAAAkAAAAEgAAACQAAAASAAAAAAAAAABAAAAAAAAAAEAAABQAAAAAAAAAAAA4D8AAAAAAADgPwAAAAAAAOA/AAAAAAAA4D8AAAAAAADgPwAAAAAAAOA/AAAAAAAA4D8AAAAAAADgPwAAAAAAAOA/AAAAAAAA4D8CAAAAjAAAAAAAAAAAAAAAu+DjDP///wgAAAAAAAAAAAAAAAAAAAAAAAAAAAAAAAAAAAAAZAAAAAEAAABAAAAAAAAAAAAAAAAAAAAAAAAAAAAAAAAAAAAAAAAAAAAAAAAAAAAAAAAAAAAAAAAAAAAAAAAAAAAAAAAAAAAAAAAAAAAAAAAAAAAAAAAAAAAAAAAAAAAAFAAAADwAAAAAAAAAAAAAAAAAAAkUAAAAAQAAABQAAAAUAAAAFAAAAAEAAAAAAAAAZAAAAGQAAAAAAAAAZAAAAGQAAAAVAAAAYAAAAAAAAAAAAAAADwAAACADAAAAAAAAAAAAAAEAAACgMgAAVgcAAKr4//8BAAAAf39/AAEAAABkAAAAAAAAABQAAABAHwAAAAAAACYAAAAAAAAAwOD//wAAAAAmAAAAZAAAABYAAABMAAAAAAAAAAAAAAAEAAAAAAAAAAEAAACAgIAKAAAAACgAAAAoAAAAZAAAAGQAAAAAAAAAzMzMAAAAAABQAAAAUAAAAGQAAABkAAAAAAAAABcAAAAUAAAAAAAAAAAAAAD/fwAA/38AAAAAAAAJAAAABAAAAOrv9v8eAAAAaAAAAAAAAAAAAAAAAAAAAAAAAAAAAAAAECcAABAnAAAAAAAAAAAAAAAAAAAAAAAAAAAAAAAAAAAAAAAAAAAAABQAAAAAAAAAwMD/AAAAAABkAAAAMgAAAAAAAABkAAAAAAAAAH9/fwAKAAAAIgAAABgAAAAAAAAAAAAAAAAAAAAAAAAAAAAAAAAAAAAkAAAAJAAAAAAAAAAHAAAAAAAAAAAAAAAAAAAAAAAAAAAAAAAAAAAAf39/ACUAAABYAAAAAAAAAAAAAAAAAAAAAAAAAAAAAAAAAAAAAAAAAAAAAAAAAAAAAAAAAAAAAAA/AAAAAAAAAKCGAQAAAAAAAAAAAAAAAAAMAAAAAQAAAAAAAAAAAAAAAAAAAB8AAABUAAAAAAAABQAAAAEAAAAAAAAAAAAAAAAAAAAAAAAAAAAAAAAAAAAAAAAAAAAAAAJ/f38AAAAAA8zMzADAwP8Af39/AAAAAAAAAAAAAAAAAAAAAAAAAAAAIQAAABgAAAAUAAAAwTUAABsnAABARwAAWSkAABAAAAAmAAAACAAAAAAAAAAAAAAA"/>
               </a:ext>
             </a:extLst>
           </p:cNvSpPr>
@@ -1479,10 +1487,10 @@
           <a:bodyPr/>
           <a:lstStyle/>
           <a:p>
-            <a:fld id="{2B3A1267-29C6-6FE4-8882-DFB15CCC7E8A}" type="slidenum">
+            <a:pPr/>
+            <a:fld id="{1B0E94F4-BAF6-5B62-B8B6-4C37DAF84E19}" type="slidenum">
               <a:t>‹#›</a:t>
             </a:fld>
-            <a:endParaRPr/>
           </a:p>
         </p:txBody>
       </p:sp>
@@ -1496,7 +1504,7 @@
 </file>
 
 <file path=ppt/slideLayouts/slideLayout5.xml><?xml version="1.0" encoding="utf-8"?>
-<p:sldLayout xmlns:a="http://schemas.openxmlformats.org/drawingml/2006/main" xmlns:r="http://schemas.openxmlformats.org/officeDocument/2006/relationships" xmlns:p="http://schemas.openxmlformats.org/presentationml/2006/main" type="twoTxTwoObj">
+<p:sldLayout xmlns:p="http://schemas.openxmlformats.org/presentationml/2006/main" xmlns:mc="http://schemas.openxmlformats.org/markup-compatibility/2006" xmlns:p14="http://schemas.microsoft.com/office/powerpoint/2010/main" xmlns:p15="http://schemas.microsoft.com/office/powerpoint/2012/main" xmlns:r="http://schemas.openxmlformats.org/officeDocument/2006/relationships" xmlns:a="http://schemas.openxmlformats.org/drawingml/2006/main" type="twoTxTwoObj">
   <p:cSld name="Comparison">
     <p:spTree>
       <p:nvGrpSpPr>
@@ -1519,7 +1527,7 @@
             <a:spLocks noGrp="1" noChangeArrowheads="1"/>
             <a:extLst>
               <a:ext uri="smNativeData">
-                <pr:smNativeData xmlns="smNativeData" xmlns:pr="smNativeData" xmlns:p15="http://schemas.microsoft.com/office/powerpoint/2012/main" xmlns:p14="http://schemas.microsoft.com/office/powerpoint/2010/main" xmlns:mc="http://schemas.openxmlformats.org/markup-compatibility/2006" val="SMDATA_15_wwJCaRMAAAAlAAAAZAAAAA8BAAAAkAAAAEgAAACQAAAASAAAAAAAAAABAAAAAAAAAAEAAABQAAAAAAAAAAAA4D8AAAAAAADgPwAAAAAAAOA/AAAAAAAA4D8AAAAAAADgPwAAAAAAAOA/AAAAAAAA4D8AAAAAAADgPwAAAAAAAOA/AAAAAAAA4D8CAAAAjAAAAAAAAAAAAAAAu+DjDP///wgAAAAAAAAAAAAAAAAAAAAAAAAAAAAAAAAAAAAAZAAAAAEAAABAAAAAAAAAAAAAAAAAAAAAAAAAAAAAAAAAAAAAAAAAAAAAAAAAAAAAAAAAAAAAAAAAAAAAAAAAAAAAAAAAAAAAAAAAAAAAAAAAAAAAAAAAAAAAAAAAAAAAFAAAADwAAAAAAAAAAAAAAAAAAAkUAAAAAQAAABQAAAAUAAAAFAAAAAEAAAAAAAAAZAAAAGQAAAAAAAAAZAAAAGQAAAAVAAAAYAAAAAAAAAAAAAAADwAAACADAAAAAAAAAAAAAAEAAACgMgAAVgcAAKr4//8BAAAAf39/AAEAAABkAAAAAAAAABQAAABAHwAAAAAAACYAAAAAAAAAwOD//wAAAAAmAAAAZAAAABYAAABMAAAAAAAAAAAAAAAEAAAAAAAAAAEAAACAgIAKAAAAACgAAAAoAAAAZAAAAGQAAAAAAAAAzMzMAAAAAABQAAAAUAAAAGQAAABkAAAAAAAAABcAAAAUAAAAAAAAAAAAAAD/fwAA/38AAAAAAAAJAAAABAAAANw7IAEeAAAAaAAAAAAAAAAAAAAAAAAAAAAAAAAAAAAAECcAABAnAAAAAAAAAAAAAAAAAAAAAAAAAAAAAAAAAAAAAAAAAAAAABQAAAAAAAAAwMD/AAAAAABkAAAAMgAAAAAAAABkAAAAAAAAAH9/fwAKAAAAIgAAABgAAAAAAAAAAAAAAAAAAAAAAAAAAAAAAAAAAAAkAAAAJAAAAAAAAAAHAAAAAAAAAAAAAAAAAAAAAAAAAAAAAAAAAAAAf39/ACUAAABYAAAAAAAAAAAAAAAAAAAAAAAAAAAAAAAAAAAAAAAAAAAAAAAAAAAAAAAAAAAAAAA/AAAAAAAAAKCGAQAAAAAAAAAAAAAAAAAMAAAAAQAAAAAAAAAAAAAAAAAAAB8AAABUAAAAAAAABQAAAAEAAAAAAAAAAAAAAAAAAAAAAAAAAAAAAAAAAAAAAAAAAAAAAAJ/f38AAAAAA8zMzADAwP8Af39/AAAAAAAAAAAAAAAAAAAAAAAAAAAAIQAAABgAAAAUAAAAwAMAALABAABARwAAuAgAABAAAAAmAAAACAAAAAAAAAAAAAAA"/>
+                <pr:smNativeData xmlns:pr="smNativeData" xmlns="smNativeData" val="SMDATA_15_SSBGaRMAAAAlAAAAZAAAAA0AAAAAkAAAAEgAAACQAAAASAAAAAAAAAABAAAAAAAAAAEAAABQAAAAAAAAAAAA4D8AAAAAAADgPwAAAAAAAOA/AAAAAAAA4D8AAAAAAADgPwAAAAAAAOA/AAAAAAAA4D8AAAAAAADgPwAAAAAAAOA/AAAAAAAA4D8CAAAAjAAAAAAAAAAAAAAAu+DjDP///wgAAAAAAAAAAAAAAAAAAAAAAAAAAAAAAAAAAAAAZAAAAAEAAABAAAAAAAAAAAAAAAAAAAAAAAAAAAAAAAAAAAAAAAAAAAAAAAAAAAAAAAAAAAAAAAAAAAAAAAAAAAAAAAAAAAAAAAAAAAAAAAAAAAAAAAAAAAAAAAAAAAAAFAAAADwAAAAAAAAAAAAAAAAAAAkUAAAAAQAAABQAAAAUAAAAFAAAAAEAAAAAAAAAZAAAAGQAAAAAAAAAZAAAAGQAAAAVAAAAYAAAAAAAAAAAAAAADwAAACADAAAAAAAAAAAAAAEAAACgMgAAVgcAAKr4//8BAAAAf39/AAEAAABkAAAAAAAAABQAAABAHwAAAAAAACYAAAAAAAAAwOD//wAAAAAmAAAAZAAAABYAAABMAAAAAAAAAAAAAAAEAAAAAAAAAAEAAACAgIAKAAAAACgAAAAoAAAAZAAAAGQAAAAAAAAAzMzMAAAAAABQAAAAUAAAAGQAAABkAAAAAAAAABcAAAAUAAAAAAAAAAAAAAD/fwAA/38AAAAAAAAJAAAABAAAAPL1+v8eAAAAaAAAAAAAAAAAAAAAAAAAAAAAAAAAAAAAECcAABAnAAAAAAAAAAAAAAAAAAAAAAAAAAAAAAAAAAAAAAAAAAAAABQAAAAAAAAAwMD/AAAAAABkAAAAMgAAAAAAAABkAAAAAAAAAH9/fwAKAAAAIgAAABgAAAAAAAAAAAAAAAAAAAAAAAAAAAAAAAAAAAAkAAAAJAAAAAAAAAAHAAAAAAAAAAAAAAAAAAAAAAAAAAAAAAAAAAAAf39/ACUAAABYAAAAAAAAAAAAAAAAAAAAAAAAAAAAAAAAAAAAAAAAAAAAAAAAAAAAAAAAAAAAAAA/AAAAAAAAAKCGAQAAAAAAAAAAAAAAAAAMAAAAAQAAAAAAAAAAAAAAAAAAAB8AAABUAAAAAAAABQAAAAEAAAAAAAAAAAAAAAAAAAAAAAAAAAAAAAAAAAAAAAAAAAAAAAJ/f38AAAAAA8zMzADAwP8Af39/AAAAAAAAAAAAAAAAAAAAAAAAAAAAIQAAABgAAAAUAAAAwAMAALABAABARwAAuAgAABAAAAAmAAAACAAAAAAAAAAAAAAA"/>
               </a:ext>
             </a:extLst>
           </p:cNvSpPr>
@@ -1532,6 +1540,7 @@
           <a:bodyPr/>
           <a:lstStyle/>
           <a:p>
+            <a:pPr/>
             <a:r>
               <a:t>Click to edit Master title style</a:t>
             </a:r>
@@ -1545,7 +1554,7 @@
             <a:spLocks noGrp="1" noChangeArrowheads="1"/>
             <a:extLst>
               <a:ext uri="smNativeData">
-                <pr:smNativeData xmlns="smNativeData" xmlns:pr="smNativeData" xmlns:p15="http://schemas.microsoft.com/office/powerpoint/2012/main" xmlns:p14="http://schemas.microsoft.com/office/powerpoint/2010/main" xmlns:mc="http://schemas.openxmlformats.org/markup-compatibility/2006" val="SMDATA_15_wwJCaRMAAAAlAAAAZAAAAA8BAAAAkAAAAEgAAACQAAAASAAAAAAAAAACAAAAAAAAAAEAAABQAAAAAAAAAAAA4D8AAAAAAADgPwAAAAAAAOA/AAAAAAAA4D8AAAAAAADgPwAAAAAAAOA/AAAAAAAA4D8AAAAAAADgPwAAAAAAAOA/AAAAAAAA4D8CAAAAjAAAAAAAAAAAAAAAu+DjDP///wgAAAAAAAAAAAAAAAAAAAAAAAAAAAAAAAAAAAAAZAAAAAEAAABAAAAAAAAAAAAAAAAAAAAAAAAAAAAAAAAAAAAAAAAAAAAAAAAAAAAAAAAAAAAAAAAAAAAAAAAAAAAAAAAAAAAAAAAAAAAAAAAAAAAAAAAAAAAAAAAAAAAAFAAAADwAAAAAAAAAAAAAAAAAAAkUAAAAAQAAABQAAAAUAAAAFAAAAAEAAAAAAAAAZAAAAGQAAAAAAAAAZAAAAGQAAAAVAAAAYAAAAAAAAAAAAAAADwAAACADAAAAAAAAAAAAAAEAAACgMgAAVgcAAKr4//8BAAAAf39/AAEAAABkAAAAAAAAABQAAABAHwAAAAAAACYAAAAAAAAAwOD//wAAAAAmAAAAZAAAABYAAABMAAAAAAAAAAAAAAAEAAAAAAAAAAEAAACAgIAKAAAAACgAAAAoAAAAZAAAAGQAAAAAAAAAzMzMAAAAAABQAAAAUAAAAGQAAABkAAAAAAAAABcAAAAUAAAAAAAAAAAAAAD/fwAA/38AAAAAAAAJAAAABAAAANw7IAEeAAAAaAAAAAAAAAAAAAAAAAAAAAAAAAAAAAAAECcAABAnAAAAAAAAAAAAAAAAAAAAAAAAAAAAAAAAAAAAAAAAAAAAABQAAAAAAAAAwMD/AAAAAABkAAAAMgAAAAAAAABkAAAAAAAAAH9/fwAKAAAAIgAAABgAAAAAAAAAAAAAAAAAAAAAAAAAAAAAAAAAAAAkAAAAJAAAAAAAAAAHAAAAAAAAAAAAAAAAAAAAAAAAAAAAAAAAAAAAf39/ACUAAABYAAAAAAAAAAAAAAAAAAAAAAAAAAAAAAAAAAAAAAAAAAAAAAAAAAAAAAAAAAAAAAA/AAAAAAAAAKCGAQAAAAAAAAAAAAAAAAAMAAAAAQAAAAAAAAAAAAAAAAAAAB8AAABUAAAAAAAABQAAAAEAAAAAAAAAAAAAAAAAAAAAAAAAAAAAAAAAAAAAAAAAAAAAAAJ/f38AAAAAA8zMzADAwP8Af39/AAAAAAAAAAAAAAAAAAAAAAAAAAAAIQAAABgAAAAUAAAAwAMAAHEJAADjJAAAYQ0AABAAAAAmAAAACAAAAIGAAAAAAAAA"/>
+                <pr:smNativeData xmlns:pr="smNativeData" xmlns="smNativeData" val="SMDATA_15_SSBGaRMAAAAlAAAAZAAAAA0AAAAAkAAAAEgAAACQAAAASAAAAAAAAAACAAAAAAAAAAEAAABQAAAAAAAAAAAA4D8AAAAAAADgPwAAAAAAAOA/AAAAAAAA4D8AAAAAAADgPwAAAAAAAOA/AAAAAAAA4D8AAAAAAADgPwAAAAAAAOA/AAAAAAAA4D8CAAAAjAAAAAAAAAAAAAAAu+DjDP///wgAAAAAAAAAAAAAAAAAAAAAAAAAAAAAAAAAAAAAZAAAAAEAAABAAAAAAAAAAAAAAAAAAAAAAAAAAAAAAAAAAAAAAAAAAAAAAAAAAAAAAAAAAAAAAAAAAAAAAAAAAAAAAAAAAAAAAAAAAAAAAAAAAAAAAAAAAAAAAAAAAAAAFAAAADwAAAAAAAAAAAAAAAAAAAkUAAAAAQAAABQAAAAUAAAAFAAAAAEAAAAAAAAAZAAAAGQAAAAAAAAAZAAAAGQAAAAVAAAAYAAAAAAAAAAAAAAADwAAACADAAAAAAAAAAAAAAEAAACgMgAAVgcAAKr4//8BAAAAf39/AAEAAABkAAAAAAAAABQAAABAHwAAAAAAACYAAAAAAAAAwOD//wAAAAAmAAAAZAAAABYAAABMAAAAAAAAAAAAAAAEAAAAAAAAAAEAAACAgIAKAAAAACgAAAAoAAAAZAAAAGQAAAAAAAAAzMzMAAAAAABQAAAAUAAAAGQAAABkAAAAAAAAABcAAAAUAAAAAAAAAAAAAAD/fwAA/38AAAAAAAAJAAAABAAAAAAAAAAeAAAAaAAAAAAAAAAAAAAAAAAAAAAAAAAAAAAAECcAABAnAAAAAAAAAAAAAAAAAAAAAAAAAAAAAAAAAAAAAAAAAAAAABQAAAAAAAAAwMD/AAAAAABkAAAAMgAAAAAAAABkAAAAAAAAAH9/fwAKAAAAIgAAABgAAAAAAAAAAAAAAAAAAAAAAAAAAAAAAAAAAAAkAAAAJAAAAAAAAAAHAAAAAAAAAAAAAAAAAAAAAAAAAAAAAAAAAAAAf39/ACUAAABYAAAAAAAAAAAAAAAAAAAAAAAAAAAAAAAAAAAAAAAAAAAAAAAAAAAAAAAAAAAAAAA/AAAAAAAAAKCGAQAAAAAAAAAAAAAAAAAMAAAAAQAAAAAAAAAAAAAAAAAAAB8AAABUAAAAAAAABQAAAAEAAAAAAAAAAAAAAAAAAAAAAAAAAAAAAAAAAAAAAAAAAAAAAAJ/f38AAAAAA8zMzADAwP8Af39/AAAAAAAAAAAAAAAAAAAAAAAAAAAAIQAAABgAAAAUAAAAwAMAAHEJAADjJAAAYQ0AABAAAAAmAAAACAAAAIGQAAAAAAAA"/>
               </a:ext>
             </a:extLst>
           </p:cNvSpPr>
@@ -1560,7 +1569,7 @@
           </a:xfrm>
         </p:spPr>
         <p:txBody>
-          <a:bodyPr vert="horz" wrap="square" numCol="1" spcCol="215900" anchor="b">
+          <a:bodyPr vert="horz" wrap="square" lIns="91440" tIns="45720" rIns="91440" bIns="45720" numCol="1" spcCol="215900" anchor="b">
             <a:prstTxWarp prst="textNoShape">
               <a:avLst/>
             </a:prstTxWarp>
@@ -1604,6 +1613,7 @@
             </a:lvl9pPr>
           </a:lstStyle>
           <a:p>
+            <a:pPr/>
             <a:r>
               <a:t>Click to edit Master text styles</a:t>
             </a:r>
@@ -1617,7 +1627,7 @@
             <a:spLocks noGrp="1" noChangeArrowheads="1"/>
             <a:extLst>
               <a:ext uri="smNativeData">
-                <pr:smNativeData xmlns="smNativeData" xmlns:pr="smNativeData" xmlns:p15="http://schemas.microsoft.com/office/powerpoint/2012/main" xmlns:p14="http://schemas.microsoft.com/office/powerpoint/2010/main" xmlns:mc="http://schemas.openxmlformats.org/markup-compatibility/2006" val="SMDATA_15_wwJCaRMAAAAlAAAAZAAAAA8BAAAAkAAAAEgAAACQAAAASAAAAAAAAAAAAAAAAAAAAAEAAABQAAAAAAAAAAAA4D8AAAAAAADgPwAAAAAAAOA/AAAAAAAA4D8AAAAAAADgPwAAAAAAAOA/AAAAAAAA4D8AAAAAAADgPwAAAAAAAOA/AAAAAAAA4D8CAAAAjAAAAAAAAAAAAAAAu+DjDP///wgAAAAAAAAAAAAAAAAAAAAAAAAAAAAAAAAAAAAAZAAAAAEAAABAAAAAAAAAAAAAAAAAAAAAAAAAAAAAAAAAAAAAAAAAAAAAAAAAAAAAAAAAAAAAAAAAAAAAAAAAAAAAAAAAAAAAAAAAAAAAAAAAAAAAAAAAAAAAAAAAAAAAFAAAADwAAAAAAAAAAAAAAAAAAAkUAAAAAQAAABQAAAAUAAAAFAAAAAEAAAAAAAAAZAAAAGQAAAAAAAAAZAAAAGQAAAAVAAAAYAAAAAAAAAAAAAAADwAAACADAAAAAAAAAAAAAAEAAACgMgAAVgcAAKr4//8BAAAAf39/AAEAAABkAAAAAAAAABQAAABAHwAAAAAAACYAAAAAAAAAwOD//wAAAAAmAAAAZAAAABYAAABMAAAAAAAAAAAAAAAEAAAAAAAAAAEAAACAgIAKAAAAACgAAAAoAAAAZAAAAGQAAAAAAAAAzMzMAAAAAABQAAAAUAAAAGQAAABkAAAAAAAAABcAAAAUAAAAAAAAAAAAAAD/fwAA/38AAAAAAAAJAAAABAAAANw7IAEeAAAAaAAAAAAAAAAAAAAAAAAAAAAAAAAAAAAAECcAABAnAAAAAAAAAAAAAAAAAAAAAAAAAAAAAAAAAAAAAAAAAAAAABQAAAAAAAAAwMD/AAAAAABkAAAAMgAAAAAAAABkAAAAAAAAAH9/fwAKAAAAIgAAABgAAAAAAAAAAAAAAAAAAAAAAAAAAAAAAAAAAAAkAAAAJAAAAAAAAAAHAAAAAAAAAAAAAAAAAAAAAAAAAAAAAAAAAAAAf39/ACUAAABYAAAAAAAAAAAAAAAAAAAAAAAAAAAAAAAAAAAAAAAAAAAAAAAAAAAAAAAAAAAAAAA/AAAAAAAAAKCGAQAAAAAAAAAAAAAAAAAMAAAAAQAAAAAAAAAAAAAAAAAAAB8AAABUAAAAAAAABQAAAAEAAAAAAAAAAAAAAAAAAAAAAAAAAAAAAAAAAAAAAAAAAAAAAAJ/f38AAAAAA8zMzADAwP8Af39/AAAAAAAAAAAAAAAAAAAAAAAAAAAAIQAAABgAAAAUAAAAwAMAAGENAADjJAAAsCUAABAAAAAmAAAACAAAAAGAAAAAAAAA"/>
+                <pr:smNativeData xmlns:pr="smNativeData" xmlns="smNativeData" val="SMDATA_15_SSBGaRMAAAAlAAAAZAAAAA0AAAAAkAAAAEgAAACQAAAASAAAAAAAAAAAAAAAAAAAAAEAAABQAAAAAAAAAAAA4D8AAAAAAADgPwAAAAAAAOA/AAAAAAAA4D8AAAAAAADgPwAAAAAAAOA/AAAAAAAA4D8AAAAAAADgPwAAAAAAAOA/AAAAAAAA4D8CAAAAjAAAAAAAAAAAAAAAu+DjDP///wgAAAAAAAAAAAAAAAAAAAAAAAAAAAAAAAAAAAAAZAAAAAEAAABAAAAAAAAAAAAAAAAAAAAAAAAAAAAAAAAAAAAAAAAAAAAAAAAAAAAAAAAAAAAAAAAAAAAAAAAAAAAAAAAAAAAAAAAAAAAAAAAAAAAAAAAAAAAAAAAAAAAAFAAAADwAAAAAAAAAAAAAAAAAAAkUAAAAAQAAABQAAAAUAAAAFAAAAAEAAAAAAAAAZAAAAGQAAAAAAAAAZAAAAGQAAAAVAAAAYAAAAAAAAAAAAAAADwAAACADAAAAAAAAAAAAAAEAAACgMgAAVgcAAKr4//8BAAAAf39/AAEAAABkAAAAAAAAABQAAABAHwAAAAAAACYAAAAAAAAAwOD//wAAAAAmAAAAZAAAABYAAABMAAAAAAAAAAAAAAAEAAAAAAAAAAEAAACAgIAKAAAAACgAAAAoAAAAZAAAAGQAAAAAAAAAzMzMAAAAAABQAAAAUAAAAGQAAABkAAAAAAAAABcAAAAUAAAAAAAAAAAAAAD/fwAA/38AAAAAAAAJAAAABAAAAAAAAAAeAAAAaAAAAAAAAAAAAAAAAAAAAAAAAAAAAAAAECcAABAnAAAAAAAAAAAAAAAAAAAAAAAAAAAAAAAAAAAAAAAAAAAAABQAAAAAAAAAwMD/AAAAAABkAAAAMgAAAAAAAABkAAAAAAAAAH9/fwAKAAAAIgAAABgAAAAAAAAAAAAAAAAAAAAAAAAAAAAAAAAAAAAkAAAAJAAAAAAAAAAHAAAAAAAAAAAAAAAAAAAAAAAAAAAAAAAAAAAAf39/ACUAAABYAAAAAAAAAAAAAAAAAAAAAAAAAAAAAAAAAAAAAAAAAAAAAAAAAAAAAAAAAAAAAAA/AAAAAAAAAKCGAQAAAAAAAAAAAAAAAAAMAAAAAQAAAAAAAAAAAAAAAAAAAB8AAABUAAAAAAAABQAAAAEAAAAAAAAAAAAAAAAAAAAAAAAAAAAAAAAAAAAAAAAAAAAAAAJ/f38AAAAAA8zMzADAwP8Af39/AAAAAAAAAAAAAAAAAAAAAAAAAAAAIQAAABgAAAAUAAAAwAMAAGENAADjJAAAsCUAABAAAAAmAAAACAAAAAGAAAAAAAAA"/>
               </a:ext>
             </a:extLst>
           </p:cNvSpPr>
@@ -1663,6 +1673,7 @@
             </a:lvl9pPr>
           </a:lstStyle>
           <a:p>
+            <a:pPr/>
             <a:r>
               <a:t>Click to edit Master text styles</a:t>
             </a:r>
@@ -1700,7 +1711,7 @@
             <a:spLocks noGrp="1" noChangeArrowheads="1"/>
             <a:extLst>
               <a:ext uri="smNativeData">
-                <pr:smNativeData xmlns="smNativeData" xmlns:pr="smNativeData" xmlns:p15="http://schemas.microsoft.com/office/powerpoint/2012/main" xmlns:p14="http://schemas.microsoft.com/office/powerpoint/2010/main" xmlns:mc="http://schemas.openxmlformats.org/markup-compatibility/2006" val="SMDATA_15_wwJCaRMAAAAlAAAAZAAAAA8BAAAAkAAAAEgAAACQAAAASAAAAAAAAAACAAAAAAAAAAEAAABQAAAAAAAAAAAA4D8AAAAAAADgPwAAAAAAAOA/AAAAAAAA4D8AAAAAAADgPwAAAAAAAOA/AAAAAAAA4D8AAAAAAADgPwAAAAAAAOA/AAAAAAAA4D8CAAAAjAAAAAAAAAAAAAAAu+DjDP///wgAAAAAAAAAAAAAAAAAAAAAAAAAAAAAAAAAAAAAZAAAAAEAAABAAAAAAAAAAAAAAAAAAAAAAAAAAAAAAAAAAAAAAAAAAAAAAAAAAAAAAAAAAAAAAAAAAAAAAAAAAAAAAAAAAAAAAAAAAAAAAAAAAAAAAAAAAAAAAAAAAAAAFAAAADwAAAAAAAAAAAAAAAAAAAkUAAAAAQAAABQAAAAUAAAAFAAAAAEAAAAAAAAAZAAAAGQAAAAAAAAAZAAAAGQAAAAVAAAAYAAAAAAAAAAAAAAADwAAACADAAAAAAAAAAAAAAEAAACgMgAAVgcAAKr4//8BAAAAf39/AAEAAABkAAAAAAAAABQAAABAHwAAAAAAACYAAAAAAAAAwOD//wAAAAAmAAAAZAAAABYAAABMAAAAAAAAAAAAAAAEAAAAAAAAAAEAAACAgIAKAAAAACgAAAAoAAAAZAAAAGQAAAAAAAAAzMzMAAAAAABQAAAAUAAAAGQAAABkAAAAAAAAABcAAAAUAAAAAAAAAAAAAAD/fwAA/38AAAAAAAAJAAAABAAAANw7IAEeAAAAaAAAAAAAAAAAAAAAAAAAAAAAAAAAAAAAECcAABAnAAAAAAAAAAAAAAAAAAAAAAAAAAAAAAAAAAAAAAAAAAAAABQAAAAAAAAAwMD/AAAAAABkAAAAMgAAAAAAAABkAAAAAAAAAH9/fwAKAAAAIgAAABgAAAAAAAAAAAAAAAAAAAAAAAAAAAAAAAAAAAAkAAAAJAAAAAAAAAAHAAAAAAAAAAAAAAAAAAAAAAAAAAAAAAAAAAAAf39/ACUAAABYAAAAAAAAAAAAAAAAAAAAAAAAAAAAAAAAAAAAAAAAAAAAAAAAAAAAAAAAAAAAAAA/AAAAAAAAAKCGAQAAAAAAAAAAAAAAAAAMAAAAAQAAAAAAAAAAAAAAAAAAAB8AAABUAAAAAAAABQAAAAEAAAAAAAAAAAAAAAAAAAAAAAAAAAAAAAAAAAAAAAAAAAAAAAJ/f38AAAAAA8zMzADAwP8Af39/AAAAAAAAAAAAAAAAAAAAAAAAAAAAIQAAABgAAAAUAAAAHSYAAHEJAABARwAAYQ0AABAAAAAmAAAACAAAAIGAAAAAAAAA"/>
+                <pr:smNativeData xmlns:pr="smNativeData" xmlns="smNativeData" val="SMDATA_15_SSBGaRMAAAAlAAAAZAAAAA0AAAAAkAAAAEgAAACQAAAASAAAAAAAAAACAAAAAAAAAAEAAABQAAAAAAAAAAAA4D8AAAAAAADgPwAAAAAAAOA/AAAAAAAA4D8AAAAAAADgPwAAAAAAAOA/AAAAAAAA4D8AAAAAAADgPwAAAAAAAOA/AAAAAAAA4D8CAAAAjAAAAAAAAAAAAAAAu+DjDP///wgAAAAAAAAAAAAAAAAAAAAAAAAAAAAAAAAAAAAAZAAAAAEAAABAAAAAAAAAAAAAAAAAAAAAAAAAAAAAAAAAAAAAAAAAAAAAAAAAAAAAAAAAAAAAAAAAAAAAAAAAAAAAAAAAAAAAAAAAAAAAAAAAAAAAAAAAAAAAAAAAAAAAFAAAADwAAAAAAAAAAAAAAAAAAAkUAAAAAQAAABQAAAAUAAAAFAAAAAEAAAAAAAAAZAAAAGQAAAAAAAAAZAAAAGQAAAAVAAAAYAAAAAAAAAAAAAAADwAAACADAAAAAAAAAAAAAAEAAACgMgAAVgcAAKr4//8BAAAAf39/AAEAAABkAAAAAAAAABQAAABAHwAAAAAAACYAAAAAAAAAwOD//wAAAAAmAAAAZAAAABYAAABMAAAAAAAAAAAAAAAEAAAAAAAAAAEAAACAgIAKAAAAACgAAAAoAAAAZAAAAGQAAAAAAAAAzMzMAAAAAABQAAAAUAAAAGQAAABkAAAAAAAAABcAAAAUAAAAAAAAAAAAAAD/fwAA/38AAAAAAAAJAAAABAAAAPL1+v8eAAAAaAAAAAAAAAAAAAAAAAAAAAAAAAAAAAAAECcAABAnAAAAAAAAAAAAAAAAAAAAAAAAAAAAAAAAAAAAAAAAAAAAABQAAAAAAAAAwMD/AAAAAABkAAAAMgAAAAAAAABkAAAAAAAAAH9/fwAKAAAAIgAAABgAAAAAAAAAAAAAAAAAAAAAAAAAAAAAAAAAAAAkAAAAJAAAAAAAAAAHAAAAAAAAAAAAAAAAAAAAAAAAAAAAAAAAAAAAf39/ACUAAABYAAAAAAAAAAAAAAAAAAAAAAAAAAAAAAAAAAAAAAAAAAAAAAAAAAAAAAAAAAAAAAA/AAAAAAAAAKCGAQAAAAAAAAAAAAAAAAAMAAAAAQAAAAAAAAAAAAAAAAAAAB8AAABUAAAAAAAABQAAAAEAAAAAAAAAAAAAAAAAAAAAAAAAAAAAAAAAAAAAAAAAAAAAAAJ/f38AAAAAA8zMzADAwP8Af39/AAAAAAAAAAAAAAAAAAAAAAAAAAAAIQAAABgAAAAUAAAAHSYAAHEJAABARwAAYQ0AABAAAAAmAAAACAAAAIGQAAAAAAAA"/>
               </a:ext>
             </a:extLst>
           </p:cNvSpPr>
@@ -1715,7 +1726,7 @@
           </a:xfrm>
         </p:spPr>
         <p:txBody>
-          <a:bodyPr vert="horz" wrap="square" numCol="1" spcCol="215900" anchor="b">
+          <a:bodyPr vert="horz" wrap="square" lIns="91440" tIns="45720" rIns="91440" bIns="45720" numCol="1" spcCol="215900" anchor="b">
             <a:prstTxWarp prst="textNoShape">
               <a:avLst/>
             </a:prstTxWarp>
@@ -1759,6 +1770,7 @@
             </a:lvl9pPr>
           </a:lstStyle>
           <a:p>
+            <a:pPr/>
             <a:r>
               <a:t>Click to edit Master text styles</a:t>
             </a:r>
@@ -1772,7 +1784,7 @@
             <a:spLocks noGrp="1" noChangeArrowheads="1"/>
             <a:extLst>
               <a:ext uri="smNativeData">
-                <pr:smNativeData xmlns="smNativeData" xmlns:pr="smNativeData" xmlns:p15="http://schemas.microsoft.com/office/powerpoint/2012/main" xmlns:p14="http://schemas.microsoft.com/office/powerpoint/2010/main" xmlns:mc="http://schemas.openxmlformats.org/markup-compatibility/2006" val="SMDATA_15_wwJCaRMAAAAlAAAAZAAAAA8BAAAAkAAAAEgAAACQAAAASAAAAAAAAAAAAAAAAAAAAAEAAABQAAAAAAAAAAAA4D8AAAAAAADgPwAAAAAAAOA/AAAAAAAA4D8AAAAAAADgPwAAAAAAAOA/AAAAAAAA4D8AAAAAAADgPwAAAAAAAOA/AAAAAAAA4D8CAAAAjAAAAAAAAAAAAAAAu+DjDP///wgAAAAAAAAAAAAAAAAAAAAAAAAAAAAAAAAAAAAAZAAAAAEAAABAAAAAAAAAAAAAAAAAAAAAAAAAAAAAAAAAAAAAAAAAAAAAAAAAAAAAAAAAAAAAAAAAAAAAAAAAAAAAAAAAAAAAAAAAAAAAAAAAAAAAAAAAAAAAAAAAAAAAFAAAADwAAAAAAAAAAAAAAAAAAAkUAAAAAQAAABQAAAAUAAAAFAAAAAEAAAAAAAAAZAAAAGQAAAAAAAAAZAAAAGQAAAAVAAAAYAAAAAAAAAAAAAAADwAAACADAAAAAAAAAAAAAAEAAACgMgAAVgcAAKr4//8BAAAAf39/AAEAAABkAAAAAAAAABQAAABAHwAAAAAAACYAAAAAAAAAwOD//wAAAAAmAAAAZAAAABYAAABMAAAAAAAAAAAAAAAEAAAAAAAAAAEAAACAgIAKAAAAACgAAAAoAAAAZAAAAGQAAAAAAAAAzMzMAAAAAABQAAAAUAAAAGQAAABkAAAAAAAAABcAAAAUAAAAAAAAAAAAAAD/fwAA/38AAAAAAAAJAAAABAAAANw7IAEeAAAAaAAAAAAAAAAAAAAAAAAAAAAAAAAAAAAAECcAABAnAAAAAAAAAAAAAAAAAAAAAAAAAAAAAAAAAAAAAAAAAAAAABQAAAAAAAAAwMD/AAAAAABkAAAAMgAAAAAAAABkAAAAAAAAAH9/fwAKAAAAIgAAABgAAAAAAAAAAAAAAAAAAAAAAAAAAAAAAAAAAAAkAAAAJAAAAAAAAAAHAAAAAAAAAAAAAAAAAAAAAAAAAAAAAAAAAAAAf39/ACUAAABYAAAAAAAAAAAAAAAAAAAAAAAAAAAAAAAAAAAAAAAAAAAAAAAAAAAAAAAAAAAAAAA/AAAAAAAAAKCGAQAAAAAAAAAAAAAAAAAMAAAAAQAAAAAAAAAAAAAAAAAAAB8AAABUAAAAAAAABQAAAAEAAAAAAAAAAAAAAAAAAAAAAAAAAAAAAAAAAAAAAAAAAAAAAAJ/f38AAAAAA8zMzADAwP8Af39/AAAAAAAAAAAAAAAAAAAAAAAAAAAAIQAAABgAAAAUAAAAHSYAAGENAABARwAAsCUAABAAAAAmAAAACAAAAAGAAAAAAAAA"/>
+                <pr:smNativeData xmlns:pr="smNativeData" xmlns="smNativeData" val="SMDATA_15_SSBGaRMAAAAlAAAAZAAAAA0AAAAAkAAAAEgAAACQAAAASAAAAAAAAAAAAAAAAAAAAAEAAABQAAAAAAAAAAAA4D8AAAAAAADgPwAAAAAAAOA/AAAAAAAA4D8AAAAAAADgPwAAAAAAAOA/AAAAAAAA4D8AAAAAAADgPwAAAAAAAOA/AAAAAAAA4D8CAAAAjAAAAAAAAAAAAAAAu+DjDP///wgAAAAAAAAAAAAAAAAAAAAAAAAAAAAAAAAAAAAAZAAAAAEAAABAAAAAAAAAAAAAAAAAAAAAAAAAAAAAAAAAAAAAAAAAAAAAAAAAAAAAAAAAAAAAAAAAAAAAAAAAAAAAAAAAAAAAAAAAAAAAAAAAAAAAAAAAAAAAAAAAAAAAFAAAADwAAAAAAAAAAAAAAAAAAAkUAAAAAQAAABQAAAAUAAAAFAAAAAEAAAAAAAAAZAAAAGQAAAAAAAAAZAAAAGQAAAAVAAAAYAAAAAAAAAAAAAAADwAAACADAAAAAAAAAAAAAAEAAACgMgAAVgcAAKr4//8BAAAAf39/AAEAAABkAAAAAAAAABQAAABAHwAAAAAAACYAAAAAAAAAwOD//wAAAAAmAAAAZAAAABYAAABMAAAAAAAAAAAAAAAEAAAAAAAAAAEAAACAgIAKAAAAACgAAAAoAAAAZAAAAGQAAAAAAAAAzMzMAAAAAABQAAAAUAAAAGQAAABkAAAAAAAAABcAAAAUAAAAAAAAAAAAAAD/fwAA/38AAAAAAAAJAAAABAAAAJ/J8f8eAAAAaAAAAAAAAAAAAAAAAAAAAAAAAAAAAAAAECcAABAnAAAAAAAAAAAAAAAAAAAAAAAAAAAAAAAAAAAAAAAAAAAAABQAAAAAAAAAwMD/AAAAAABkAAAAMgAAAAAAAABkAAAAAAAAAH9/fwAKAAAAIgAAABgAAAAAAAAAAAAAAAAAAAAAAAAAAAAAAAAAAAAkAAAAJAAAAAAAAAAHAAAAAAAAAAAAAAAAAAAAAAAAAAAAAAAAAAAAf39/ACUAAABYAAAAAAAAAAAAAAAAAAAAAAAAAAAAAAAAAAAAAAAAAAAAAAAAAAAAAAAAAAAAAAA/AAAAAAAAAKCGAQAAAAAAAAAAAAAAAAAMAAAAAQAAAAAAAAAAAAAAAAAAAB8AAABUAAAAAAAABQAAAAEAAAAAAAAAAAAAAAAAAAAAAAAAAAAAAAAAAAAAAAAAAAAAAAJ/f38AAAAAA8zMzADAwP8Af39/AAAAAAAAAAAAAAAAAAAAAAAAAAAAIQAAABgAAAAUAAAAHSYAAGENAABARwAAsCUAABAAAAAmAAAACAAAAAGAAAAAAAAA"/>
               </a:ext>
             </a:extLst>
           </p:cNvSpPr>
@@ -1818,6 +1830,7 @@
             </a:lvl9pPr>
           </a:lstStyle>
           <a:p>
+            <a:pPr/>
             <a:r>
               <a:t>Click to edit Master text styles</a:t>
             </a:r>
@@ -1855,7 +1868,7 @@
             <a:spLocks noGrp="1" noChangeArrowheads="1"/>
             <a:extLst>
               <a:ext uri="smNativeData">
-                <pr:smNativeData xmlns="smNativeData" xmlns:pr="smNativeData" xmlns:p15="http://schemas.microsoft.com/office/powerpoint/2012/main" xmlns:p14="http://schemas.microsoft.com/office/powerpoint/2010/main" xmlns:mc="http://schemas.openxmlformats.org/markup-compatibility/2006" val="SMDATA_15_wwJCaRMAAAAlAAAAZAAAAA8BAAAAkAAAAEgAAACQAAAASAAAAAAAAAABAAAAAAAAAAEAAABQAAAAAAAAAAAA4D8AAAAAAADgPwAAAAAAAOA/AAAAAAAA4D8AAAAAAADgPwAAAAAAAOA/AAAAAAAA4D8AAAAAAADgPwAAAAAAAOA/AAAAAAAA4D8CAAAAjAAAAAAAAAAAAAAAu+DjDP///wgAAAAAAAAAAAAAAAAAAAAAAAAAAAAAAAAAAAAAZAAAAAEAAABAAAAAAAAAAAAAAAAAAAAAAAAAAAAAAAAAAAAAAAAAAAAAAAAAAAAAAAAAAAAAAAAAAAAAAAAAAAAAAAAAAAAAAAAAAAAAAAAAAAAAAAAAAAAAAAAAAAAAFAAAADwAAAAAAAAAAAAAAAAAAAkUAAAAAQAAABQAAAAUAAAAFAAAAAEAAAAAAAAAZAAAAGQAAAAAAAAAZAAAAGQAAAAVAAAAYAAAAAAAAAAAAAAADwAAACADAAAAAAAAAAAAAAEAAACgMgAAVgcAAKr4//8BAAAAf39/AAEAAABkAAAAAAAAABQAAABAHwAAAAAAACYAAAAAAAAAwOD//wAAAAAmAAAAZAAAABYAAABMAAAAAAAAAAAAAAAEAAAAAAAAAAEAAACAgIAKAAAAACgAAAAoAAAAZAAAAGQAAAAAAAAAzMzMAAAAAABQAAAAUAAAAGQAAABkAAAAAAAAABcAAAAUAAAAAAAAAAAAAAD/fwAA/38AAAAAAAAJAAAABAAAANw7IAEeAAAAaAAAAAAAAAAAAAAAAAAAAAAAAAAAAAAAECcAABAnAAAAAAAAAAAAAAAAAAAAAAAAAAAAAAAAAAAAAAAAAAAAABQAAAAAAAAAwMD/AAAAAABkAAAAMgAAAAAAAABkAAAAAAAAAH9/fwAKAAAAIgAAABgAAAAAAAAAAAAAAAAAAAAAAAAAAAAAAAAAAAAkAAAAJAAAAAAAAAAHAAAAAAAAAAAAAAAAAAAAAAAAAAAAAAAAAAAAf39/ACUAAABYAAAAAAAAAAAAAAAAAAAAAAAAAAAAAAAAAAAAAAAAAAAAAAAAAAAAAAAAAAAAAAA/AAAAAAAAAKCGAQAAAAAAAAAAAAAAAAAMAAAAAQAAAAAAAAAAAAAAAAAAAB8AAABUAAAAAAAABQAAAAEAAAAAAAAAAAAAAAAAAAAAAAAAAAAAAAAAAAAAAAAAAAAAAAJ/f38AAAAAA8zMzADAwP8Af39/AAAAAAAAAAAAAAAAAAAAAAAAAAAAIQAAABgAAAAUAAAAwAMAABsnAAA/FQAAWSkAABAAAAAmAAAACAAAAAAAAAAAAAAA"/>
+                <pr:smNativeData xmlns:pr="smNativeData" xmlns="smNativeData" val="SMDATA_15_SSBGaRMAAAAlAAAAZAAAAA0AAAAAkAAAAEgAAACQAAAASAAAAAAAAAABAAAAAAAAAAEAAABQAAAAAAAAAAAA4D8AAAAAAADgPwAAAAAAAOA/AAAAAAAA4D8AAAAAAADgPwAAAAAAAOA/AAAAAAAA4D8AAAAAAADgPwAAAAAAAOA/AAAAAAAA4D8CAAAAjAAAAAAAAAAAAAAAu+DjDP///wgAAAAAAAAAAAAAAAAAAAAAAAAAAAAAAAAAAAAAZAAAAAEAAABAAAAAAAAAAAAAAAAAAAAAAAAAAAAAAAAAAAAAAAAAAAAAAAAAAAAAAAAAAAAAAAAAAAAAAAAAAAAAAAAAAAAAAAAAAAAAAAAAAAAAAAAAAAAAAAAAAAAAFAAAADwAAAAAAAAAAAAAAAAAAAkUAAAAAQAAABQAAAAUAAAAFAAAAAEAAAAAAAAAZAAAAGQAAAAAAAAAZAAAAGQAAAAVAAAAYAAAAAAAAAAAAAAADwAAACADAAAAAAAAAAAAAAEAAACgMgAAVgcAAKr4//8BAAAAf39/AAEAAABkAAAAAAAAABQAAABAHwAAAAAAACYAAAAAAAAAwOD//wAAAAAmAAAAZAAAABYAAABMAAAAAAAAAAAAAAAEAAAAAAAAAAEAAACAgIAKAAAAACgAAAAoAAAAZAAAAGQAAAAAAAAAzMzMAAAAAABQAAAAUAAAAGQAAABkAAAAAAAAABcAAAAUAAAAAAAAAAAAAAD/fwAA/38AAAAAAAAJAAAABAAAAOrv9v8eAAAAaAAAAAAAAAAAAAAAAAAAAAAAAAAAAAAAECcAABAnAAAAAAAAAAAAAAAAAAAAAAAAAAAAAAAAAAAAAAAAAAAAABQAAAAAAAAAwMD/AAAAAABkAAAAMgAAAAAAAABkAAAAAAAAAH9/fwAKAAAAIgAAABgAAAAAAAAAAAAAAAAAAAAAAAAAAAAAAAAAAAAkAAAAJAAAAAAAAAAHAAAAAAAAAAAAAAAAAAAAAAAAAAAAAAAAAAAAf39/ACUAAABYAAAAAAAAAAAAAAAAAAAAAAAAAAAAAAAAAAAAAAAAAAAAAAAAAAAAAAAAAAAAAAA/AAAAAAAAAKCGAQAAAAAAAAAAAAAAAAAMAAAAAQAAAAAAAAAAAAAAAAAAAB8AAABUAAAAAAAABQAAAAEAAAAAAAAAAAAAAAAAAAAAAAAAAAAAAAAAAAAAAAAAAAAAAAJ/f38AAAAAA8zMzADAwP8Af39/AAAAAAAAAAAAAAAAAAAAAAAAAAAAIQAAABgAAAAUAAAAwAMAABsnAAA/FQAAWSkAABAAAAAmAAAACAAAAAAAAAAAAAAA"/>
               </a:ext>
             </a:extLst>
           </p:cNvSpPr>
@@ -1868,10 +1881,10 @@
           <a:bodyPr/>
           <a:lstStyle/>
           <a:p>
-            <a:fld id="{2B3A7D05-4BC6-6F8B-8882-BDDE33CC7EE8}" type="datetime1">
+            <a:pPr/>
+            <a:fld id="{1B0E8243-0DF6-5B74-B8B6-FB21CCF84EAE}" type="datetime1">
               <a:t>12/16/2025</a:t>
             </a:fld>
-            <a:endParaRPr/>
           </a:p>
         </p:txBody>
       </p:sp>
@@ -1882,7 +1895,7 @@
             <a:spLocks noGrp="1" noChangeArrowheads="1"/>
             <a:extLst>
               <a:ext uri="smNativeData">
-                <pr:smNativeData xmlns="smNativeData" xmlns:pr="smNativeData" xmlns:p15="http://schemas.microsoft.com/office/powerpoint/2012/main" xmlns:p14="http://schemas.microsoft.com/office/powerpoint/2010/main" xmlns:mc="http://schemas.openxmlformats.org/markup-compatibility/2006" val="SMDATA_15_wwJCaRMAAAAlAAAAZAAAAA8BAAAAkAAAAEgAAACQAAAASAAAAAAAAAABAAAAAAAAAAEAAABQAAAAAAAAAAAA4D8AAAAAAADgPwAAAAAAAOA/AAAAAAAA4D8AAAAAAADgPwAAAAAAAOA/AAAAAAAA4D8AAAAAAADgPwAAAAAAAOA/AAAAAAAA4D8CAAAAjAAAAAAAAAAAAAAAu+DjDP///wgAAAAAAAAAAAAAAAAAAAAAAAAAAAAAAAAAAAAAZAAAAAEAAABAAAAAAAAAAAAAAAAAAAAAAAAAAAAAAAAAAAAAAAAAAAAAAAAAAAAAAAAAAAAAAAAAAAAAAAAAAAAAAAAAAAAAAAAAAAAAAAAAAAAAAAAAAAAAAAAAAAAAFAAAADwAAAAAAAAAAAAAAAAAAAkUAAAAAQAAABQAAAAUAAAAFAAAAAEAAAAAAAAAZAAAAGQAAAAAAAAAZAAAAGQAAAAVAAAAYAAAAAAAAAAAAAAADwAAACADAAAAAAAAAAAAAAEAAACgMgAAVgcAAKr4//8BAAAAf39/AAEAAABkAAAAAAAAABQAAABAHwAAAAAAACYAAAAAAAAAwOD//wAAAAAmAAAAZAAAABYAAABMAAAAAAAAAAAAAAAEAAAAAAAAAAEAAACAgIAKAAAAACgAAAAoAAAAZAAAAGQAAAAAAAAAzMzMAAAAAABQAAAAUAAAAGQAAABkAAAAAAAAABcAAAAUAAAAAAAAAAAAAAD/fwAA/38AAAAAAAAJAAAABAAAANw7IAEeAAAAaAAAAAAAAAAAAAAAAAAAAAAAAAAAAAAAECcAABAnAAAAAAAAAAAAAAAAAAAAAAAAAAAAAAAAAAAAAAAAAAAAABQAAAAAAAAAwMD/AAAAAABkAAAAMgAAAAAAAABkAAAAAAAAAH9/fwAKAAAAIgAAABgAAAAAAAAAAAAAAAAAAAAAAAAAAAAAAAAAAAAkAAAAJAAAAAAAAAAHAAAAAAAAAAAAAAAAAAAAAAAAAAAAAAAAAAAAf39/ACUAAABYAAAAAAAAAAAAAAAAAAAAAAAAAAAAAAAAAAAAAAAAAAAAAAAAAAAAAAAAAAAAAAA/AAAAAAAAAKCGAQAAAAAAAAAAAAAAAAAMAAAAAQAAAAAAAAAAAAAAAAAAAB8AAABUAAAAAAAABQAAAAEAAAAAAAAAAAAAAAAAAAAAAAAAAAAAAAAAAAAAAAAAAAAAAAJ/f38AAAAAA8zMzADAwP8Af39/AAAAAAAAAAAAAAAAAAAAAAAAAAAAIQAAABgAAAAUAAAAoRkAABsnAABfMQAAWSkAABAAAAAmAAAACAAAAAAAAAAAAAAA"/>
+                <pr:smNativeData xmlns:pr="smNativeData" xmlns="smNativeData" val="SMDATA_15_SSBGaRMAAAAlAAAAZAAAAA0AAAAAkAAAAEgAAACQAAAASAAAAAAAAAABAAAAAAAAAAEAAABQAAAAAAAAAAAA4D8AAAAAAADgPwAAAAAAAOA/AAAAAAAA4D8AAAAAAADgPwAAAAAAAOA/AAAAAAAA4D8AAAAAAADgPwAAAAAAAOA/AAAAAAAA4D8CAAAAjAAAAAAAAAAAAAAAu+DjDP///wgAAAAAAAAAAAAAAAAAAAAAAAAAAAAAAAAAAAAAZAAAAAEAAABAAAAAAAAAAAAAAAAAAAAAAAAAAAAAAAAAAAAAAAAAAAAAAAAAAAAAAAAAAAAAAAAAAAAAAAAAAAAAAAAAAAAAAAAAAAAAAAAAAAAAAAAAAAAAAAAAAAAAFAAAADwAAAAAAAAAAAAAAAAAAAkUAAAAAQAAABQAAAAUAAAAFAAAAAEAAAAAAAAAZAAAAGQAAAAAAAAAZAAAAGQAAAAVAAAAYAAAAAAAAAAAAAAADwAAACADAAAAAAAAAAAAAAEAAACgMgAAVgcAAKr4//8BAAAAf39/AAEAAABkAAAAAAAAABQAAABAHwAAAAAAACYAAAAAAAAAwOD//wAAAAAmAAAAZAAAABYAAABMAAAAAAAAAAAAAAAEAAAAAAAAAAEAAACAgIAKAAAAACgAAAAoAAAAZAAAAGQAAAAAAAAAzMzMAAAAAABQAAAAUAAAAGQAAABkAAAAAAAAABcAAAAUAAAAAAAAAAAAAAD/fwAA/38AAAAAAAAJAAAABAAAAAAAAAAeAAAAaAAAAAAAAAAAAAAAAAAAAAAAAAAAAAAAECcAABAnAAAAAAAAAAAAAAAAAAAAAAAAAAAAAAAAAAAAAAAAAAAAABQAAAAAAAAAwMD/AAAAAABkAAAAMgAAAAAAAABkAAAAAAAAAH9/fwAKAAAAIgAAABgAAAAAAAAAAAAAAAAAAAAAAAAAAAAAAAAAAAAkAAAAJAAAAAAAAAAHAAAAAAAAAAAAAAAAAAAAAAAAAAAAAAAAAAAAf39/ACUAAABYAAAAAAAAAAAAAAAAAAAAAAAAAAAAAAAAAAAAAAAAAAAAAAAAAAAAAAAAAAAAAAA/AAAAAAAAAKCGAQAAAAAAAAAAAAAAAAAMAAAAAQAAAAAAAAAAAAAAAAAAAB8AAABUAAAAAAAABQAAAAEAAAAAAAAAAAAAAAAAAAAAAAAAAAAAAAAAAAAAAAAAAAAAAAJ/f38AAAAAA8zMzADAwP8Af39/AAAAAAAAAAAAAAAAAAAAAAAAAAAAIQAAABgAAAAUAAAAoRkAABsnAABfMQAAWSkAABAAAAAmAAAACAAAAAAAAAAAAAAA"/>
               </a:ext>
             </a:extLst>
           </p:cNvSpPr>
@@ -1895,7 +1908,7 @@
           <a:bodyPr/>
           <a:lstStyle/>
           <a:p>
-            <a:endParaRPr/>
+            <a:pPr/>
           </a:p>
         </p:txBody>
       </p:sp>
@@ -1906,7 +1919,7 @@
             <a:spLocks noGrp="1" noChangeArrowheads="1"/>
             <a:extLst>
               <a:ext uri="smNativeData">
-                <pr:smNativeData xmlns="smNativeData" xmlns:pr="smNativeData" xmlns:p15="http://schemas.microsoft.com/office/powerpoint/2012/main" xmlns:p14="http://schemas.microsoft.com/office/powerpoint/2010/main" xmlns:mc="http://schemas.openxmlformats.org/markup-compatibility/2006" val="SMDATA_15_wwJCaRMAAAAlAAAAZAAAAA8BAAAAkAAAAEgAAACQAAAASAAAAAAAAAABAAAAAAAAAAEAAABQAAAAAAAAAAAA4D8AAAAAAADgPwAAAAAAAOA/AAAAAAAA4D8AAAAAAADgPwAAAAAAAOA/AAAAAAAA4D8AAAAAAADgPwAAAAAAAOA/AAAAAAAA4D8CAAAAjAAAAAAAAAAAAAAAu+DjDP///wgAAAAAAAAAAAAAAAAAAAAAAAAAAAAAAAAAAAAAZAAAAAEAAABAAAAAAAAAAAAAAAAAAAAAAAAAAAAAAAAAAAAAAAAAAAAAAAAAAAAAAAAAAAAAAAAAAAAAAAAAAAAAAAAAAAAAAAAAAAAAAAAAAAAAAAAAAAAAAAAAAAAAFAAAADwAAAAAAAAAAAAAAAAAAAkUAAAAAQAAABQAAAAUAAAAFAAAAAEAAAAAAAAAZAAAAGQAAAAAAAAAZAAAAGQAAAAVAAAAYAAAAAAAAAAAAAAADwAAACADAAAAAAAAAAAAAAEAAACgMgAAVgcAAKr4//8BAAAAf39/AAEAAABkAAAAAAAAABQAAABAHwAAAAAAACYAAAAAAAAAwOD//wAAAAAmAAAAZAAAABYAAABMAAAAAAAAAAAAAAAEAAAAAAAAAAEAAACAgIAKAAAAACgAAAAoAAAAZAAAAGQAAAAAAAAAzMzMAAAAAABQAAAAUAAAAGQAAABkAAAAAAAAABcAAAAUAAAAAAAAAAAAAAD/fwAA/38AAAAAAAAJAAAABAAAANw7IAEeAAAAaAAAAAAAAAAAAAAAAAAAAAAAAAAAAAAAECcAABAnAAAAAAAAAAAAAAAAAAAAAAAAAAAAAAAAAAAAAAAAAAAAABQAAAAAAAAAwMD/AAAAAABkAAAAMgAAAAAAAABkAAAAAAAAAH9/fwAKAAAAIgAAABgAAAAAAAAAAAAAAAAAAAAAAAAAAAAAAAAAAAAkAAAAJAAAAAAAAAAHAAAAAAAAAAAAAAAAAAAAAAAAAAAAAAAAAAAAf39/ACUAAABYAAAAAAAAAAAAAAAAAAAAAAAAAAAAAAAAAAAAAAAAAAAAAAAAAAAAAAAAAAAAAAA/AAAAAAAAAKCGAQAAAAAAAAAAAAAAAAAMAAAAAQAAAAAAAAAAAAAAAAAAAB8AAABUAAAAAAAABQAAAAEAAAAAAAAAAAAAAAAAAAAAAAAAAAAAAAAAAAAAAAAAAAAAAAJ/f38AAAAAA8zMzADAwP8Af39/AAAAAAAAAAAAAAAAAAAAAAAAAAAAIQAAABgAAAAUAAAAwTUAABsnAABARwAAWSkAABAAAAAmAAAACAAAAAAAAAAAAAAA"/>
+                <pr:smNativeData xmlns:pr="smNativeData" xmlns="smNativeData" val="SMDATA_15_SSBGaRMAAAAlAAAAZAAAAA0AAAAAkAAAAEgAAACQAAAASAAAAAAAAAABAAAAAAAAAAEAAABQAAAAAAAAAAAA4D8AAAAAAADgPwAAAAAAAOA/AAAAAAAA4D8AAAAAAADgPwAAAAAAAOA/AAAAAAAA4D8AAAAAAADgPwAAAAAAAOA/AAAAAAAA4D8CAAAAjAAAAAAAAAAAAAAAu+DjDP///wgAAAAAAAAAAAAAAAAAAAAAAAAAAAAAAAAAAAAAZAAAAAEAAABAAAAAAAAAAAAAAAAAAAAAAAAAAAAAAAAAAAAAAAAAAAAAAAAAAAAAAAAAAAAAAAAAAAAAAAAAAAAAAAAAAAAAAAAAAAAAAAAAAAAAAAAAAAAAAAAAAAAAFAAAADwAAAAAAAAAAAAAAAAAAAkUAAAAAQAAABQAAAAUAAAAFAAAAAEAAAAAAAAAZAAAAGQAAAAAAAAAZAAAAGQAAAAVAAAAYAAAAAAAAAAAAAAADwAAACADAAAAAAAAAAAAAAEAAACgMgAAVgcAAKr4//8BAAAAf39/AAEAAABkAAAAAAAAABQAAABAHwAAAAAAACYAAAAAAAAAwOD//wAAAAAmAAAAZAAAABYAAABMAAAAAAAAAAAAAAAEAAAAAAAAAAEAAACAgIAKAAAAACgAAAAoAAAAZAAAAGQAAAAAAAAAzMzMAAAAAABQAAAAUAAAAGQAAABkAAAAAAAAABcAAAAUAAAAAAAAAAAAAAD/fwAA/38AAAAAAAAJAAAABAAAAADurgIeAAAAaAAAAAAAAAAAAAAAAAAAAAAAAAAAAAAAECcAABAnAAAAAAAAAAAAAAAAAAAAAAAAAAAAAAAAAAAAAAAAAAAAABQAAAAAAAAAwMD/AAAAAABkAAAAMgAAAAAAAABkAAAAAAAAAH9/fwAKAAAAIgAAABgAAAAAAAAAAAAAAAAAAAAAAAAAAAAAAAAAAAAkAAAAJAAAAAAAAAAHAAAAAAAAAAAAAAAAAAAAAAAAAAAAAAAAAAAAf39/ACUAAABYAAAAAAAAAAAAAAAAAAAAAAAAAAAAAAAAAAAAAAAAAAAAAAAAAAAAAAAAAAAAAAA/AAAAAAAAAKCGAQAAAAAAAAAAAAAAAAAMAAAAAQAAAAAAAAAAAAAAAAAAAB8AAABUAAAAAAAABQAAAAEAAAAAAAAAAAAAAAAAAAAAAAAAAAAAAAAAAAAAAAAAAAAAAAJ/f38AAAAAA8zMzADAwP8Af39/AAAAAAAAAAAAAAAAAAAAAAAAAAAAIQAAABgAAAAUAAAAwTUAABsnAABARwAAWSkAABAAAAAmAAAACAAAAAAAAAAAAAAA"/>
               </a:ext>
             </a:extLst>
           </p:cNvSpPr>
@@ -1919,10 +1932,10 @@
           <a:bodyPr/>
           <a:lstStyle/>
           <a:p>
-            <a:fld id="{2B3A5C6C-22C6-6FAA-8882-D4FF12CC7E81}" type="slidenum">
+            <a:pPr/>
+            <a:fld id="{1B0ED02F-61F6-5B26-B8B6-97739EF84EC2}" type="slidenum">
               <a:t>‹#›</a:t>
             </a:fld>
-            <a:endParaRPr/>
           </a:p>
         </p:txBody>
       </p:sp>
@@ -1936,7 +1949,7 @@
 </file>
 
 <file path=ppt/slideLayouts/slideLayout6.xml><?xml version="1.0" encoding="utf-8"?>
-<p:sldLayout xmlns:a="http://schemas.openxmlformats.org/drawingml/2006/main" xmlns:r="http://schemas.openxmlformats.org/officeDocument/2006/relationships" xmlns:p="http://schemas.openxmlformats.org/presentationml/2006/main" type="titleOnly">
+<p:sldLayout xmlns:p="http://schemas.openxmlformats.org/presentationml/2006/main" xmlns:mc="http://schemas.openxmlformats.org/markup-compatibility/2006" xmlns:p14="http://schemas.microsoft.com/office/powerpoint/2010/main" xmlns:p15="http://schemas.microsoft.com/office/powerpoint/2012/main" xmlns:r="http://schemas.openxmlformats.org/officeDocument/2006/relationships" xmlns:a="http://schemas.openxmlformats.org/drawingml/2006/main" type="titleOnly">
   <p:cSld name="Title only">
     <p:spTree>
       <p:nvGrpSpPr>
@@ -1959,7 +1972,7 @@
             <a:spLocks noGrp="1" noChangeArrowheads="1"/>
             <a:extLst>
               <a:ext uri="smNativeData">
-                <pr:smNativeData xmlns="smNativeData" xmlns:pr="smNativeData" xmlns:p15="http://schemas.microsoft.com/office/powerpoint/2012/main" xmlns:p14="http://schemas.microsoft.com/office/powerpoint/2010/main" xmlns:mc="http://schemas.openxmlformats.org/markup-compatibility/2006" val="SMDATA_15_wwJCaRMAAAAlAAAAZAAAAA8BAAAAkAAAAEgAAACQAAAASAAAAAAAAAABAAAAAAAAAAEAAABQAAAAAAAAAAAA4D8AAAAAAADgPwAAAAAAAOA/AAAAAAAA4D8AAAAAAADgPwAAAAAAAOA/AAAAAAAA4D8AAAAAAADgPwAAAAAAAOA/AAAAAAAA4D8CAAAAjAAAAAAAAAAAAAAAu+DjDP///wgAAAAAAAAAAAAAAAAAAAAAAAAAAAAAAAAAAAAAZAAAAAEAAABAAAAAAAAAAAAAAAAAAAAAAAAAAAAAAAAAAAAAAAAAAAAAAAAAAAAAAAAAAAAAAAAAAAAAAAAAAAAAAAAAAAAAAAAAAAAAAAAAAAAAAAAAAAAAAAAAAAAAFAAAADwAAAAAAAAAAAAAAAAAAAkUAAAAAQAAABQAAAAUAAAAFAAAAAEAAAAAAAAAZAAAAGQAAAAAAAAAZAAAAGQAAAAVAAAAYAAAAAAAAAAAAAAADwAAACADAAAAAAAAAAAAAAEAAACgMgAAVgcAAKr4//8BAAAAf39/AAEAAABkAAAAAAAAABQAAABAHwAAAAAAACYAAAAAAAAAwOD//wAAAAAmAAAAZAAAABYAAABMAAAAAAAAAAAAAAAEAAAAAAAAAAEAAACAgIAKAAAAACgAAAAoAAAAZAAAAGQAAAAAAAAAzMzMAAAAAABQAAAAUAAAAGQAAABkAAAAAAAAABcAAAAUAAAAAAAAAAAAAAD/fwAA/38AAAAAAAAJAAAABAAAANw7IAEeAAAAaAAAAAAAAAAAAAAAAAAAAAAAAAAAAAAAECcAABAnAAAAAAAAAAAAAAAAAAAAAAAAAAAAAAAAAAAAAAAAAAAAABQAAAAAAAAAwMD/AAAAAABkAAAAMgAAAAAAAABkAAAAAAAAAH9/fwAKAAAAIgAAABgAAAAAAAAAAAAAAAAAAAAAAAAAAAAAAAAAAAAkAAAAJAAAAAAAAAAHAAAAAAAAAAAAAAAAAAAAAAAAAAAAAAAAAAAAf39/ACUAAABYAAAAAAAAAAAAAAAAAAAAAAAAAAAAAAAAAAAAAAAAAAAAAAAAAAAAAAAAAAAAAAA/AAAAAAAAAKCGAQAAAAAAAAAAAAAAAAAMAAAAAQAAAAAAAAAAAAAAAAAAAB8AAABUAAAAAAAABQAAAAEAAAAAAAAAAAAAAAAAAAAAAAAAAAAAAAAAAAAAAAAAAAAAAAJ/f38AAAAAA8zMzADAwP8Af39/AAAAAAAAAAAAAAAAAAAAAAAAAAAAIQAAABgAAAAUAAAAwAMAALABAABARwAAuAgAABAAAAAmAAAACAAAAAAAAAAAAAAA"/>
+                <pr:smNativeData xmlns:pr="smNativeData" xmlns="smNativeData" val="SMDATA_15_SSBGaRMAAAAlAAAAZAAAAA0AAAAAkAAAAEgAAACQAAAASAAAAAAAAAABAAAAAAAAAAEAAABQAAAAAAAAAAAA4D8AAAAAAADgPwAAAAAAAOA/AAAAAAAA4D8AAAAAAADgPwAAAAAAAOA/AAAAAAAA4D8AAAAAAADgPwAAAAAAAOA/AAAAAAAA4D8CAAAAjAAAAAAAAAAAAAAAu+DjDP///wgAAAAAAAAAAAAAAAAAAAAAAAAAAAAAAAAAAAAAZAAAAAEAAABAAAAAAAAAAAAAAAAAAAAAAAAAAAAAAAAAAAAAAAAAAAAAAAAAAAAAAAAAAAAAAAAAAAAAAAAAAAAAAAAAAAAAAAAAAAAAAAAAAAAAAAAAAAAAAAAAAAAAFAAAADwAAAAAAAAAAAAAAAAAAAkUAAAAAQAAABQAAAAUAAAAFAAAAAEAAAAAAAAAZAAAAGQAAAAAAAAAZAAAAGQAAAAVAAAAYAAAAAAAAAAAAAAADwAAACADAAAAAAAAAAAAAAEAAACgMgAAVgcAAKr4//8BAAAAf39/AAEAAABkAAAAAAAAABQAAABAHwAAAAAAACYAAAAAAAAAwOD//wAAAAAmAAAAZAAAABYAAABMAAAAAAAAAAAAAAAEAAAAAAAAAAEAAACAgIAKAAAAACgAAAAoAAAAZAAAAGQAAAAAAAAAzMzMAAAAAABQAAAAUAAAAGQAAABkAAAAAAAAABcAAAAUAAAAAAAAAAAAAAD/fwAA/38AAAAAAAAJAAAABAAAAPL1+v8eAAAAaAAAAAAAAAAAAAAAAAAAAAAAAAAAAAAAECcAABAnAAAAAAAAAAAAAAAAAAAAAAAAAAAAAAAAAAAAAAAAAAAAABQAAAAAAAAAwMD/AAAAAABkAAAAMgAAAAAAAABkAAAAAAAAAH9/fwAKAAAAIgAAABgAAAAAAAAAAAAAAAAAAAAAAAAAAAAAAAAAAAAkAAAAJAAAAAAAAAAHAAAAAAAAAAAAAAAAAAAAAAAAAAAAAAAAAAAAf39/ACUAAABYAAAAAAAAAAAAAAAAAAAAAAAAAAAAAAAAAAAAAAAAAAAAAAAAAAAAAAAAAAAAAAA/AAAAAAAAAKCGAQAAAAAAAAAAAAAAAAAMAAAAAQAAAAAAAAAAAAAAAAAAAB8AAABUAAAAAAAABQAAAAEAAAAAAAAAAAAAAAAAAAAAAAAAAAAAAAAAAAAAAAAAAAAAAAJ/f38AAAAAA8zMzADAwP8Af39/AAAAAAAAAAAAAAAAAAAAAAAAAAAAIQAAABgAAAAUAAAAwAMAALABAABARwAAuAgAABAAAAAmAAAACAAAAAAAAAAAAAAA"/>
               </a:ext>
             </a:extLst>
           </p:cNvSpPr>
@@ -1972,6 +1985,7 @@
           <a:bodyPr/>
           <a:lstStyle/>
           <a:p>
+            <a:pPr/>
             <a:r>
               <a:t>Click to edit Master title style</a:t>
             </a:r>
@@ -1985,7 +1999,7 @@
             <a:spLocks noGrp="1" noChangeArrowheads="1"/>
             <a:extLst>
               <a:ext uri="smNativeData">
-                <pr:smNativeData xmlns="smNativeData" xmlns:pr="smNativeData" xmlns:p15="http://schemas.microsoft.com/office/powerpoint/2012/main" xmlns:p14="http://schemas.microsoft.com/office/powerpoint/2010/main" xmlns:mc="http://schemas.openxmlformats.org/markup-compatibility/2006" val="SMDATA_15_wwJCaRMAAAAlAAAAZAAAAA8BAAAAkAAAAEgAAACQAAAASAAAAAAAAAABAAAAAAAAAAEAAABQAAAAAAAAAAAA4D8AAAAAAADgPwAAAAAAAOA/AAAAAAAA4D8AAAAAAADgPwAAAAAAAOA/AAAAAAAA4D8AAAAAAADgPwAAAAAAAOA/AAAAAAAA4D8CAAAAjAAAAAAAAAAAAAAAu+DjDP///wgAAAAAAAAAAAAAAAAAAAAAAAAAAAAAAAAAAAAAZAAAAAEAAABAAAAAAAAAAAAAAAAAAAAAAAAAAAAAAAAAAAAAAAAAAAAAAAAAAAAAAAAAAAAAAAAAAAAAAAAAAAAAAAAAAAAAAAAAAAAAAAAAAAAAAAAAAAAAAAAAAAAAFAAAADwAAAAAAAAAAAAAAAAAAAkUAAAAAQAAABQAAAAUAAAAFAAAAAEAAAAAAAAAZAAAAGQAAAAAAAAAZAAAAGQAAAAVAAAAYAAAAAAAAAAAAAAADwAAACADAAAAAAAAAAAAAAEAAACgMgAAVgcAAKr4//8BAAAAf39/AAEAAABkAAAAAAAAABQAAABAHwAAAAAAACYAAAAAAAAAwOD//wAAAAAmAAAAZAAAABYAAABMAAAAAAAAAAAAAAAEAAAAAAAAAAEAAACAgIAKAAAAACgAAAAoAAAAZAAAAGQAAAAAAAAAzMzMAAAAAABQAAAAUAAAAGQAAABkAAAAAAAAABcAAAAUAAAAAAAAAAAAAAD/fwAA/38AAAAAAAAJAAAABAAAANw7IAEeAAAAaAAAAAAAAAAAAAAAAAAAAAAAAAAAAAAAECcAABAnAAAAAAAAAAAAAAAAAAAAAAAAAAAAAAAAAAAAAAAAAAAAABQAAAAAAAAAwMD/AAAAAABkAAAAMgAAAAAAAABkAAAAAAAAAH9/fwAKAAAAIgAAABgAAAAAAAAAAAAAAAAAAAAAAAAAAAAAAAAAAAAkAAAAJAAAAAAAAAAHAAAAAAAAAAAAAAAAAAAAAAAAAAAAAAAAAAAAf39/ACUAAABYAAAAAAAAAAAAAAAAAAAAAAAAAAAAAAAAAAAAAAAAAAAAAAAAAAAAAAAAAAAAAAA/AAAAAAAAAKCGAQAAAAAAAAAAAAAAAAAMAAAAAQAAAAAAAAAAAAAAAAAAAB8AAABUAAAAAAAABQAAAAEAAAAAAAAAAAAAAAAAAAAAAAAAAAAAAAAAAAAAAAAAAAAAAAJ/f38AAAAAA8zMzADAwP8Af39/AAAAAAAAAAAAAAAAAAAAAAAAAAAAIQAAABgAAAAUAAAAwAMAABsnAAA/FQAAWSkAABAAAAAmAAAACAAAAAAAAAAAAAAA"/>
+                <pr:smNativeData xmlns:pr="smNativeData" xmlns="smNativeData" val="SMDATA_15_SSBGaRMAAAAlAAAAZAAAAA0AAAAAkAAAAEgAAACQAAAASAAAAAAAAAABAAAAAAAAAAEAAABQAAAAAAAAAAAA4D8AAAAAAADgPwAAAAAAAOA/AAAAAAAA4D8AAAAAAADgPwAAAAAAAOA/AAAAAAAA4D8AAAAAAADgPwAAAAAAAOA/AAAAAAAA4D8CAAAAjAAAAAAAAAAAAAAAu+DjDP///wgAAAAAAAAAAAAAAAAAAAAAAAAAAAAAAAAAAAAAZAAAAAEAAABAAAAAAAAAAAAAAAAAAAAAAAAAAAAAAAAAAAAAAAAAAAAAAAAAAAAAAAAAAAAAAAAAAAAAAAAAAAAAAAAAAAAAAAAAAAAAAAAAAAAAAAAAAAAAAAAAAAAAFAAAADwAAAAAAAAAAAAAAAAAAAkUAAAAAQAAABQAAAAUAAAAFAAAAAEAAAAAAAAAZAAAAGQAAAAAAAAAZAAAAGQAAAAVAAAAYAAAAAAAAAAAAAAADwAAACADAAAAAAAAAAAAAAEAAACgMgAAVgcAAKr4//8BAAAAf39/AAEAAABkAAAAAAAAABQAAABAHwAAAAAAACYAAAAAAAAAwOD//wAAAAAmAAAAZAAAABYAAABMAAAAAAAAAAAAAAAEAAAAAAAAAAEAAACAgIAKAAAAACgAAAAoAAAAZAAAAGQAAAAAAAAAzMzMAAAAAABQAAAAUAAAAGQAAABkAAAAAAAAABcAAAAUAAAAAAAAAAAAAAD/fwAA/38AAAAAAAAJAAAABAAAAJLC8BQeAAAAaAAAAAAAAAAAAAAAAAAAAAAAAAAAAAAAECcAABAnAAAAAAAAAAAAAAAAAAAAAAAAAAAAAAAAAAAAAAAAAAAAABQAAAAAAAAAwMD/AAAAAABkAAAAMgAAAAAAAABkAAAAAAAAAH9/fwAKAAAAIgAAABgAAAAAAAAAAAAAAAAAAAAAAAAAAAAAAAAAAAAkAAAAJAAAAAAAAAAHAAAAAAAAAAAAAAAAAAAAAAAAAAAAAAAAAAAAf39/ACUAAABYAAAAAAAAAAAAAAAAAAAAAAAAAAAAAAAAAAAAAAAAAAAAAAAAAAAAAAAAAAAAAAA/AAAAAAAAAKCGAQAAAAAAAAAAAAAAAAAMAAAAAQAAAAAAAAAAAAAAAAAAAB8AAABUAAAAAAAABQAAAAEAAAAAAAAAAAAAAAAAAAAAAAAAAAAAAAAAAAAAAAAAAAAAAAJ/f38AAAAAA8zMzADAwP8Af39/AAAAAAAAAAAAAAAAAAAAAAAAAAAAIQAAABgAAAAUAAAAwAMAABsnAAA/FQAAWSkAABAAAAAmAAAACAAAAAAAAAAAAAAA"/>
               </a:ext>
             </a:extLst>
           </p:cNvSpPr>
@@ -1998,10 +2012,10 @@
           <a:bodyPr/>
           <a:lstStyle/>
           <a:p>
-            <a:fld id="{2B3A0218-56C6-6FF4-8882-A0A14CCC7EF5}" type="datetime1">
+            <a:pPr/>
+            <a:fld id="{1B0EB713-5DF6-5B41-B8B6-AB14F9F84EFE}" type="datetime1">
               <a:t>12/16/2025</a:t>
             </a:fld>
-            <a:endParaRPr/>
           </a:p>
         </p:txBody>
       </p:sp>
@@ -2012,7 +2026,7 @@
             <a:spLocks noGrp="1" noChangeArrowheads="1"/>
             <a:extLst>
               <a:ext uri="smNativeData">
-                <pr:smNativeData xmlns="smNativeData" xmlns:pr="smNativeData" xmlns:p15="http://schemas.microsoft.com/office/powerpoint/2012/main" xmlns:p14="http://schemas.microsoft.com/office/powerpoint/2010/main" xmlns:mc="http://schemas.openxmlformats.org/markup-compatibility/2006" val="SMDATA_15_wwJCaRMAAAAlAAAAZAAAAA8BAAAAkAAAAEgAAACQAAAASAAAAAAAAAABAAAAAAAAAAEAAABQAAAAAAAAAAAA4D8AAAAAAADgPwAAAAAAAOA/AAAAAAAA4D8AAAAAAADgPwAAAAAAAOA/AAAAAAAA4D8AAAAAAADgPwAAAAAAAOA/AAAAAAAA4D8CAAAAjAAAAAAAAAAAAAAAu+DjDP///wgAAAAAAAAAAAAAAAAAAAAAAAAAAAAAAAAAAAAAZAAAAAEAAABAAAAAAAAAAAAAAAAAAAAAAAAAAAAAAAAAAAAAAAAAAAAAAAAAAAAAAAAAAAAAAAAAAAAAAAAAAAAAAAAAAAAAAAAAAAAAAAAAAAAAAAAAAAAAAAAAAAAAFAAAADwAAAAAAAAAAAAAAAAAAAkUAAAAAQAAABQAAAAUAAAAFAAAAAEAAAAAAAAAZAAAAGQAAAAAAAAAZAAAAGQAAAAVAAAAYAAAAAAAAAAAAAAADwAAACADAAAAAAAAAAAAAAEAAACgMgAAVgcAAKr4//8BAAAAf39/AAEAAABkAAAAAAAAABQAAABAHwAAAAAAACYAAAAAAAAAwOD//wAAAAAmAAAAZAAAABYAAABMAAAAAAAAAAAAAAAEAAAAAAAAAAEAAACAgIAKAAAAACgAAAAoAAAAZAAAAGQAAAAAAAAAzMzMAAAAAABQAAAAUAAAAGQAAABkAAAAAAAAABcAAAAUAAAAAAAAAAAAAAD/fwAA/38AAAAAAAAJAAAABAAAANw7IAEeAAAAaAAAAAAAAAAAAAAAAAAAAAAAAAAAAAAAECcAABAnAAAAAAAAAAAAAAAAAAAAAAAAAAAAAAAAAAAAAAAAAAAAABQAAAAAAAAAwMD/AAAAAABkAAAAMgAAAAAAAABkAAAAAAAAAH9/fwAKAAAAIgAAABgAAAAAAAAAAAAAAAAAAAAAAAAAAAAAAAAAAAAkAAAAJAAAAAAAAAAHAAAAAAAAAAAAAAAAAAAAAAAAAAAAAAAAAAAAf39/ACUAAABYAAAAAAAAAAAAAAAAAAAAAAAAAAAAAAAAAAAAAAAAAAAAAAAAAAAAAAAAAAAAAAA/AAAAAAAAAKCGAQAAAAAAAAAAAAAAAAAMAAAAAQAAAAAAAAAAAAAAAAAAAB8AAABUAAAAAAAABQAAAAEAAAAAAAAAAAAAAAAAAAAAAAAAAAAAAAAAAAAAAAAAAAAAAAJ/f38AAAAAA8zMzADAwP8Af39/AAAAAAAAAAAAAAAAAAAAAAAAAAAAIQAAABgAAAAUAAAAoRkAABsnAABfMQAAWSkAABAAAAAmAAAACAAAAAAAAAAAAAAA"/>
+                <pr:smNativeData xmlns:pr="smNativeData" xmlns="smNativeData" val="SMDATA_15_SSBGaRMAAAAlAAAAZAAAAA0AAAAAkAAAAEgAAACQAAAASAAAAAAAAAABAAAAAAAAAAEAAABQAAAAAAAAAAAA4D8AAAAAAADgPwAAAAAAAOA/AAAAAAAA4D8AAAAAAADgPwAAAAAAAOA/AAAAAAAA4D8AAAAAAADgPwAAAAAAAOA/AAAAAAAA4D8CAAAAjAAAAAAAAAAAAAAAu+DjDP///wgAAAAAAAAAAAAAAAAAAAAAAAAAAAAAAAAAAAAAZAAAAAEAAABAAAAAAAAAAAAAAAAAAAAAAAAAAAAAAAAAAAAAAAAAAAAAAAAAAAAAAAAAAAAAAAAAAAAAAAAAAAAAAAAAAAAAAAAAAAAAAAAAAAAAAAAAAAAAAAAAAAAAFAAAADwAAAAAAAAAAAAAAAAAAAkUAAAAAQAAABQAAAAUAAAAFAAAAAEAAAAAAAAAZAAAAGQAAAAAAAAAZAAAAGQAAAAVAAAAYAAAAAAAAAAAAAAADwAAACADAAAAAAAAAAAAAAEAAACgMgAAVgcAAKr4//8BAAAAf39/AAEAAABkAAAAAAAAABQAAABAHwAAAAAAACYAAAAAAAAAwOD//wAAAAAmAAAAZAAAABYAAABMAAAAAAAAAAAAAAAEAAAAAAAAAAEAAACAgIAKAAAAACgAAAAoAAAAZAAAAGQAAAAAAAAAzMzMAAAAAABQAAAAUAAAAGQAAABkAAAAAAAAABcAAAAUAAAAAAAAAAAAAAD/fwAA/38AAAAAAAAJAAAABAAAAJ/J8f8eAAAAaAAAAAAAAAAAAAAAAAAAAAAAAAAAAAAAECcAABAnAAAAAAAAAAAAAAAAAAAAAAAAAAAAAAAAAAAAAAAAAAAAABQAAAAAAAAAwMD/AAAAAABkAAAAMgAAAAAAAABkAAAAAAAAAH9/fwAKAAAAIgAAABgAAAAAAAAAAAAAAAAAAAAAAAAAAAAAAAAAAAAkAAAAJAAAAAAAAAAHAAAAAAAAAAAAAAAAAAAAAAAAAAAAAAAAAAAAf39/ACUAAABYAAAAAAAAAAAAAAAAAAAAAAAAAAAAAAAAAAAAAAAAAAAAAAAAAAAAAAAAAAAAAAA/AAAAAAAAAKCGAQAAAAAAAAAAAAAAAAAMAAAAAQAAAAAAAAAAAAAAAAAAAB8AAABUAAAAAAAABQAAAAEAAAAAAAAAAAAAAAAAAAAAAAAAAAAAAAAAAAAAAAAAAAAAAAJ/f38AAAAAA8zMzADAwP8Af39/AAAAAAAAAAAAAAAAAAAAAAAAAAAAIQAAABgAAAAUAAAAoRkAABsnAABfMQAAWSkAABAAAAAmAAAACAAAAAAAAAAAAAAA"/>
               </a:ext>
             </a:extLst>
           </p:cNvSpPr>
@@ -2025,7 +2039,7 @@
           <a:bodyPr/>
           <a:lstStyle/>
           <a:p>
-            <a:endParaRPr/>
+            <a:pPr/>
           </a:p>
         </p:txBody>
       </p:sp>
@@ -2036,7 +2050,7 @@
             <a:spLocks noGrp="1" noChangeArrowheads="1"/>
             <a:extLst>
               <a:ext uri="smNativeData">
-                <pr:smNativeData xmlns="smNativeData" xmlns:pr="smNativeData" xmlns:p15="http://schemas.microsoft.com/office/powerpoint/2012/main" xmlns:p14="http://schemas.microsoft.com/office/powerpoint/2010/main" xmlns:mc="http://schemas.openxmlformats.org/markup-compatibility/2006" val="SMDATA_15_wwJCaRMAAAAlAAAAZAAAAA8BAAAAkAAAAEgAAACQAAAASAAAAAAAAAABAAAAAAAAAAEAAABQAAAAAAAAAAAA4D8AAAAAAADgPwAAAAAAAOA/AAAAAAAA4D8AAAAAAADgPwAAAAAAAOA/AAAAAAAA4D8AAAAAAADgPwAAAAAAAOA/AAAAAAAA4D8CAAAAjAAAAAAAAAAAAAAAu+DjDP///wgAAAAAAAAAAAAAAAAAAAAAAAAAAAAAAAAAAAAAZAAAAAEAAABAAAAAAAAAAAAAAAAAAAAAAAAAAAAAAAAAAAAAAAAAAAAAAAAAAAAAAAAAAAAAAAAAAAAAAAAAAAAAAAAAAAAAAAAAAAAAAAAAAAAAAAAAAAAAAAAAAAAAFAAAADwAAAAAAAAAAAAAAAAAAAkUAAAAAQAAABQAAAAUAAAAFAAAAAEAAAAAAAAAZAAAAGQAAAAAAAAAZAAAAGQAAAAVAAAAYAAAAAAAAAAAAAAADwAAACADAAAAAAAAAAAAAAEAAACgMgAAVgcAAKr4//8BAAAAf39/AAEAAABkAAAAAAAAABQAAABAHwAAAAAAACYAAAAAAAAAwOD//wAAAAAmAAAAZAAAABYAAABMAAAAAAAAAAAAAAAEAAAAAAAAAAEAAACAgIAKAAAAACgAAAAoAAAAZAAAAGQAAAAAAAAAzMzMAAAAAABQAAAAUAAAAGQAAABkAAAAAAAAABcAAAAUAAAAAAAAAAAAAAD/fwAA/38AAAAAAAAJAAAABAAAANw7IAEeAAAAaAAAAAAAAAAAAAAAAAAAAAAAAAAAAAAAECcAABAnAAAAAAAAAAAAAAAAAAAAAAAAAAAAAAAAAAAAAAAAAAAAABQAAAAAAAAAwMD/AAAAAABkAAAAMgAAAAAAAABkAAAAAAAAAH9/fwAKAAAAIgAAABgAAAAAAAAAAAAAAAAAAAAAAAAAAAAAAAAAAAAkAAAAJAAAAAAAAAAHAAAAAAAAAAAAAAAAAAAAAAAAAAAAAAAAAAAAf39/ACUAAABYAAAAAAAAAAAAAAAAAAAAAAAAAAAAAAAAAAAAAAAAAAAAAAAAAAAAAAAAAAAAAAA/AAAAAAAAAKCGAQAAAAAAAAAAAAAAAAAMAAAAAQAAAAAAAAAAAAAAAAAAAB8AAABUAAAAAAAABQAAAAEAAAAAAAAAAAAAAAAAAAAAAAAAAAAAAAAAAAAAAAAAAAAAAAJ/f38AAAAAA8zMzADAwP8Af39/AAAAAAAAAAAAAAAAAAAAAAAAAAAAIQAAABgAAAAUAAAAwTUAABsnAABARwAAWSkAABAAAAAmAAAACAAAAAAAAAAAAAAA"/>
+                <pr:smNativeData xmlns:pr="smNativeData" xmlns="smNativeData" val="SMDATA_15_SSBGaRMAAAAlAAAAZAAAAA0AAAAAkAAAAEgAAACQAAAASAAAAAAAAAABAAAAAAAAAAEAAABQAAAAAAAAAAAA4D8AAAAAAADgPwAAAAAAAOA/AAAAAAAA4D8AAAAAAADgPwAAAAAAAOA/AAAAAAAA4D8AAAAAAADgPwAAAAAAAOA/AAAAAAAA4D8CAAAAjAAAAAAAAAAAAAAAu+DjDP///wgAAAAAAAAAAAAAAAAAAAAAAAAAAAAAAAAAAAAAZAAAAAEAAABAAAAAAAAAAAAAAAAAAAAAAAAAAAAAAAAAAAAAAAAAAAAAAAAAAAAAAAAAAAAAAAAAAAAAAAAAAAAAAAAAAAAAAAAAAAAAAAAAAAAAAAAAAAAAAAAAAAAAFAAAADwAAAAAAAAAAAAAAAAAAAkUAAAAAQAAABQAAAAUAAAAFAAAAAEAAAAAAAAAZAAAAGQAAAAAAAAAZAAAAGQAAAAVAAAAYAAAAAAAAAAAAAAADwAAACADAAAAAAAAAAAAAAEAAACgMgAAVgcAAKr4//8BAAAAf39/AAEAAABkAAAAAAAAABQAAABAHwAAAAAAACYAAAAAAAAAwOD//wAAAAAmAAAAZAAAABYAAABMAAAAAAAAAAAAAAAEAAAAAAAAAAEAAACAgIAKAAAAACgAAAAoAAAAZAAAAGQAAAAAAAAAzMzMAAAAAABQAAAAUAAAAGQAAABkAAAAAAAAABcAAAAUAAAAAAAAAAAAAAD/fwAA/38AAAAAAAAJAAAABAAAAAAAAAAeAAAAaAAAAAAAAAAAAAAAAAAAAAAAAAAAAAAAECcAABAnAAAAAAAAAAAAAAAAAAAAAAAAAAAAAAAAAAAAAAAAAAAAABQAAAAAAAAAwMD/AAAAAABkAAAAMgAAAAAAAABkAAAAAAAAAH9/fwAKAAAAIgAAABgAAAAAAAAAAAAAAAAAAAAAAAAAAAAAAAAAAAAkAAAAJAAAAAAAAAAHAAAAAAAAAAAAAAAAAAAAAAAAAAAAAAAAAAAAf39/ACUAAABYAAAAAAAAAAAAAAAAAAAAAAAAAAAAAAAAAAAAAAAAAAAAAAAAAAAAAAAAAAAAAAA/AAAAAAAAAKCGAQAAAAAAAAAAAAAAAAAMAAAAAQAAAAAAAAAAAAAAAAAAAB8AAABUAAAAAAAABQAAAAEAAAAAAAAAAAAAAAAAAAAAAAAAAAAAAAAAAAAAAAAAAAAAAAJ/f38AAAAAA8zMzADAwP8Af39/AAAAAAAAAAAAAAAAAAAAAAAAAAAAIQAAABgAAAAUAAAAwTUAABsnAABARwAAWSkAABAAAAAmAAAACAAAAAAAAAAAAAAA"/>
               </a:ext>
             </a:extLst>
           </p:cNvSpPr>
@@ -2049,10 +2063,10 @@
           <a:bodyPr/>
           <a:lstStyle/>
           <a:p>
-            <a:fld id="{2B3A40DE-90C6-6FB6-8882-66E30ECC7E33}" type="slidenum">
+            <a:pPr/>
+            <a:fld id="{1B0E939D-D3F6-5B65-B8B6-2530DDF84E70}" type="slidenum">
               <a:t>‹#›</a:t>
             </a:fld>
-            <a:endParaRPr/>
           </a:p>
         </p:txBody>
       </p:sp>
@@ -2066,7 +2080,7 @@
 </file>
 
 <file path=ppt/slideLayouts/slideLayout7.xml><?xml version="1.0" encoding="utf-8"?>
-<p:sldLayout xmlns:a="http://schemas.openxmlformats.org/drawingml/2006/main" xmlns:r="http://schemas.openxmlformats.org/officeDocument/2006/relationships" xmlns:p="http://schemas.openxmlformats.org/presentationml/2006/main" type="blank">
+<p:sldLayout xmlns:p="http://schemas.openxmlformats.org/presentationml/2006/main" xmlns:mc="http://schemas.openxmlformats.org/markup-compatibility/2006" xmlns:p14="http://schemas.microsoft.com/office/powerpoint/2010/main" xmlns:p15="http://schemas.microsoft.com/office/powerpoint/2012/main" xmlns:r="http://schemas.openxmlformats.org/officeDocument/2006/relationships" xmlns:a="http://schemas.openxmlformats.org/drawingml/2006/main" type="blank">
   <p:cSld name="Blank">
     <p:spTree>
       <p:nvGrpSpPr>
@@ -2089,7 +2103,7 @@
             <a:spLocks noGrp="1" noChangeArrowheads="1"/>
             <a:extLst>
               <a:ext uri="smNativeData">
-                <pr:smNativeData xmlns="smNativeData" xmlns:pr="smNativeData" xmlns:p15="http://schemas.microsoft.com/office/powerpoint/2012/main" xmlns:p14="http://schemas.microsoft.com/office/powerpoint/2010/main" xmlns:mc="http://schemas.openxmlformats.org/markup-compatibility/2006" val="SMDATA_15_wwJCaRMAAAAlAAAAZAAAAA8BAAAAkAAAAEgAAACQAAAASAAAAAAAAAABAAAAAAAAAAEAAABQAAAAAAAAAAAA4D8AAAAAAADgPwAAAAAAAOA/AAAAAAAA4D8AAAAAAADgPwAAAAAAAOA/AAAAAAAA4D8AAAAAAADgPwAAAAAAAOA/AAAAAAAA4D8CAAAAjAAAAAAAAAAAAAAAu+DjDP///wgAAAAAAAAAAAAAAAAAAAAAAAAAAAAAAAAAAAAAZAAAAAEAAABAAAAAAAAAAAAAAAAAAAAAAAAAAAAAAAAAAAAAAAAAAAAAAAAAAAAAAAAAAAAAAAAAAAAAAAAAAAAAAAAAAAAAAAAAAAAAAAAAAAAAAAAAAAAAAAAAAAAAFAAAADwAAAAAAAAAAAAAAAAAAAkUAAAAAQAAABQAAAAUAAAAFAAAAAEAAAAAAAAAZAAAAGQAAAAAAAAAZAAAAGQAAAAVAAAAYAAAAAAAAAAAAAAADwAAACADAAAAAAAAAAAAAAEAAACgMgAAVgcAAKr4//8BAAAAf39/AAEAAABkAAAAAAAAABQAAABAHwAAAAAAACYAAAAAAAAAwOD//wAAAAAmAAAAZAAAABYAAABMAAAAAAAAAAAAAAAEAAAAAAAAAAEAAACAgIAKAAAAACgAAAAoAAAAZAAAAGQAAAAAAAAAzMzMAAAAAABQAAAAUAAAAGQAAABkAAAAAAAAABcAAAAUAAAAAAAAAAAAAAD/fwAA/38AAAAAAAAJAAAABAAAANw7IAEeAAAAaAAAAAAAAAAAAAAAAAAAAAAAAAAAAAAAECcAABAnAAAAAAAAAAAAAAAAAAAAAAAAAAAAAAAAAAAAAAAAAAAAABQAAAAAAAAAwMD/AAAAAABkAAAAMgAAAAAAAABkAAAAAAAAAH9/fwAKAAAAIgAAABgAAAAAAAAAAAAAAAAAAAAAAAAAAAAAAAAAAAAkAAAAJAAAAAAAAAAHAAAAAAAAAAAAAAAAAAAAAAAAAAAAAAAAAAAAf39/ACUAAABYAAAAAAAAAAAAAAAAAAAAAAAAAAAAAAAAAAAAAAAAAAAAAAAAAAAAAAAAAAAAAAA/AAAAAAAAAKCGAQAAAAAAAAAAAAAAAAAMAAAAAQAAAAAAAAAAAAAAAAAAAB8AAABUAAAAAAAABQAAAAEAAAAAAAAAAAAAAAAAAAAAAAAAAAAAAAAAAAAAAAAAAAAAAAJ/f38AAAAAA8zMzADAwP8Af39/AAAAAAAAAAAAAAAAAAAAAAAAAAAAIQAAABgAAAAUAAAAwAMAABsnAAA/FQAAWSkAABAAAAAmAAAACAAAAAAAAAAAAAAA"/>
+                <pr:smNativeData xmlns:pr="smNativeData" xmlns="smNativeData" val="SMDATA_15_SSBGaRMAAAAlAAAAZAAAAA0AAAAAkAAAAEgAAACQAAAASAAAAAAAAAABAAAAAAAAAAEAAABQAAAAAAAAAAAA4D8AAAAAAADgPwAAAAAAAOA/AAAAAAAA4D8AAAAAAADgPwAAAAAAAOA/AAAAAAAA4D8AAAAAAADgPwAAAAAAAOA/AAAAAAAA4D8CAAAAjAAAAAAAAAAAAAAAu+DjDP///wgAAAAAAAAAAAAAAAAAAAAAAAAAAAAAAAAAAAAAZAAAAAEAAABAAAAAAAAAAAAAAAAAAAAAAAAAAAAAAAAAAAAAAAAAAAAAAAAAAAAAAAAAAAAAAAAAAAAAAAAAAAAAAAAAAAAAAAAAAAAAAAAAAAAAAAAAAAAAAAAAAAAAFAAAADwAAAAAAAAAAAAAAAAAAAkUAAAAAQAAABQAAAAUAAAAFAAAAAEAAAAAAAAAZAAAAGQAAAAAAAAAZAAAAGQAAAAVAAAAYAAAAAAAAAAAAAAADwAAACADAAAAAAAAAAAAAAEAAACgMgAAVgcAAKr4//8BAAAAf39/AAEAAABkAAAAAAAAABQAAABAHwAAAAAAACYAAAAAAAAAwOD//wAAAAAmAAAAZAAAABYAAABMAAAAAAAAAAAAAAAEAAAAAAAAAAEAAACAgIAKAAAAACgAAAAoAAAAZAAAAGQAAAAAAAAAzMzMAAAAAABQAAAAUAAAAGQAAABkAAAAAAAAABcAAAAUAAAAAAAAAAAAAAD/fwAA/38AAAAAAAAJAAAABAAAAPL1+v8eAAAAaAAAAAAAAAAAAAAAAAAAAAAAAAAAAAAAECcAABAnAAAAAAAAAAAAAAAAAAAAAAAAAAAAAAAAAAAAAAAAAAAAABQAAAAAAAAAwMD/AAAAAABkAAAAMgAAAAAAAABkAAAAAAAAAH9/fwAKAAAAIgAAABgAAAAAAAAAAAAAAAAAAAAAAAAAAAAAAAAAAAAkAAAAJAAAAAAAAAAHAAAAAAAAAAAAAAAAAAAAAAAAAAAAAAAAAAAAf39/ACUAAABYAAAAAAAAAAAAAAAAAAAAAAAAAAAAAAAAAAAAAAAAAAAAAAAAAAAAAAAAAAAAAAA/AAAAAAAAAKCGAQAAAAAAAAAAAAAAAAAMAAAAAQAAAAAAAAAAAAAAAAAAAB8AAABUAAAAAAAABQAAAAEAAAAAAAAAAAAAAAAAAAAAAAAAAAAAAAAAAAAAAAAAAAAAAAJ/f38AAAAAA8zMzADAwP8Af39/AAAAAAAAAAAAAAAAAAAAAAAAAAAAIQAAABgAAAAUAAAAwAMAABsnAAA/FQAAWSkAABAAAAAmAAAACAAAAAAAAAAAAAAA"/>
               </a:ext>
             </a:extLst>
           </p:cNvSpPr>
@@ -2102,10 +2116,10 @@
           <a:bodyPr/>
           <a:lstStyle/>
           <a:p>
-            <a:fld id="{2B3A57F0-BEC6-6FA1-8882-48F419CC7E1D}" type="datetime1">
+            <a:pPr/>
+            <a:fld id="{1B0ECF0B-45F6-5B39-B8B6-B36C81F84EE6}" type="datetime1">
               <a:t>12/16/2025</a:t>
             </a:fld>
-            <a:endParaRPr/>
           </a:p>
         </p:txBody>
       </p:sp>
@@ -2116,7 +2130,7 @@
             <a:spLocks noGrp="1" noChangeArrowheads="1"/>
             <a:extLst>
               <a:ext uri="smNativeData">
-                <pr:smNativeData xmlns="smNativeData" xmlns:pr="smNativeData" xmlns:p15="http://schemas.microsoft.com/office/powerpoint/2012/main" xmlns:p14="http://schemas.microsoft.com/office/powerpoint/2010/main" xmlns:mc="http://schemas.openxmlformats.org/markup-compatibility/2006" val="SMDATA_15_wwJCaRMAAAAlAAAAZAAAAA8BAAAAkAAAAEgAAACQAAAASAAAAAAAAAABAAAAAAAAAAEAAABQAAAAAAAAAAAA4D8AAAAAAADgPwAAAAAAAOA/AAAAAAAA4D8AAAAAAADgPwAAAAAAAOA/AAAAAAAA4D8AAAAAAADgPwAAAAAAAOA/AAAAAAAA4D8CAAAAjAAAAAAAAAAAAAAAu+DjDP///wgAAAAAAAAAAAAAAAAAAAAAAAAAAAAAAAAAAAAAZAAAAAEAAABAAAAAAAAAAAAAAAAAAAAAAAAAAAAAAAAAAAAAAAAAAAAAAAAAAAAAAAAAAAAAAAAAAAAAAAAAAAAAAAAAAAAAAAAAAAAAAAAAAAAAAAAAAAAAAAAAAAAAFAAAADwAAAAAAAAAAAAAAAAAAAkUAAAAAQAAABQAAAAUAAAAFAAAAAEAAAAAAAAAZAAAAGQAAAAAAAAAZAAAAGQAAAAVAAAAYAAAAAAAAAAAAAAADwAAACADAAAAAAAAAAAAAAEAAACgMgAAVgcAAKr4//8BAAAAf39/AAEAAABkAAAAAAAAABQAAABAHwAAAAAAACYAAAAAAAAAwOD//wAAAAAmAAAAZAAAABYAAABMAAAAAAAAAAAAAAAEAAAAAAAAAAEAAACAgIAKAAAAACgAAAAoAAAAZAAAAGQAAAAAAAAAzMzMAAAAAABQAAAAUAAAAGQAAABkAAAAAAAAABcAAAAUAAAAAAAAAAAAAAD/fwAA/38AAAAAAAAJAAAABAAAAAAAAAAeAAAAaAAAAAAAAAAAAAAAAAAAAAAAAAAAAAAAECcAABAnAAAAAAAAAAAAAAAAAAAAAAAAAAAAAAAAAAAAAAAAAAAAABQAAAAAAAAAwMD/AAAAAABkAAAAMgAAAAAAAABkAAAAAAAAAH9/fwAKAAAAIgAAABgAAAAAAAAAAAAAAAAAAAAAAAAAAAAAAAAAAAAkAAAAJAAAAAAAAAAHAAAAAAAAAAAAAAAAAAAAAAAAAAAAAAAAAAAAf39/ACUAAABYAAAAAAAAAAAAAAAAAAAAAAAAAAAAAAAAAAAAAAAAAAAAAAAAAAAAAAAAAAAAAAA/AAAAAAAAAKCGAQAAAAAAAAAAAAAAAAAMAAAAAQAAAAAAAAAAAAAAAAAAAB8AAABUAAAAAAAABQAAAAEAAAAAAAAAAAAAAAAAAAAAAAAAAAAAAAAAAAAAAAAAAAAAAAJ/f38AAAAAA8zMzADAwP8Af39/AAAAAAAAAAAAAAAAAAAAAAAAAAAAIQAAABgAAAAUAAAAoRkAABsnAABfMQAAWSkAABAAAAAmAAAACAAAAAAAAAAAAAAA"/>
+                <pr:smNativeData xmlns:pr="smNativeData" xmlns="smNativeData" val="SMDATA_15_SSBGaRMAAAAlAAAAZAAAAA0AAAAAkAAAAEgAAACQAAAASAAAAAAAAAABAAAAAAAAAAEAAABQAAAAAAAAAAAA4D8AAAAAAADgPwAAAAAAAOA/AAAAAAAA4D8AAAAAAADgPwAAAAAAAOA/AAAAAAAA4D8AAAAAAADgPwAAAAAAAOA/AAAAAAAA4D8CAAAAjAAAAAAAAAAAAAAAu+DjDP///wgAAAAAAAAAAAAAAAAAAAAAAAAAAAAAAAAAAAAAZAAAAAEAAABAAAAAAAAAAAAAAAAAAAAAAAAAAAAAAAAAAAAAAAAAAAAAAAAAAAAAAAAAAAAAAAAAAAAAAAAAAAAAAAAAAAAAAAAAAAAAAAAAAAAAAAAAAAAAAAAAAAAAFAAAADwAAAAAAAAAAAAAAAAAAAkUAAAAAQAAABQAAAAUAAAAFAAAAAEAAAAAAAAAZAAAAGQAAAAAAAAAZAAAAGQAAAAVAAAAYAAAAAAAAAAAAAAADwAAACADAAAAAAAAAAAAAAEAAACgMgAAVgcAAKr4//8BAAAAf39/AAEAAABkAAAAAAAAABQAAABAHwAAAAAAACYAAAAAAAAAwOD//wAAAAAmAAAAZAAAABYAAABMAAAAAAAAAAAAAAAEAAAAAAAAAAEAAACAgIAKAAAAACgAAAAoAAAAZAAAAGQAAAAAAAAAzMzMAAAAAABQAAAAUAAAAGQAAABkAAAAAAAAABcAAAAUAAAAAAAAAAAAAAD/fwAA/38AAAAAAAAJAAAABAAAAAAAAAAeAAAAaAAAAAAAAAAAAAAAAAAAAAAAAAAAAAAAECcAABAnAAAAAAAAAAAAAAAAAAAAAAAAAAAAAAAAAAAAAAAAAAAAABQAAAAAAAAAwMD/AAAAAABkAAAAMgAAAAAAAABkAAAAAAAAAH9/fwAKAAAAIgAAABgAAAAAAAAAAAAAAAAAAAAAAAAAAAAAAAAAAAAkAAAAJAAAAAAAAAAHAAAAAAAAAAAAAAAAAAAAAAAAAAAAAAAAAAAAf39/ACUAAABYAAAAAAAAAAAAAAAAAAAAAAAAAAAAAAAAAAAAAAAAAAAAAAAAAAAAAAAAAAAAAAA/AAAAAAAAAKCGAQAAAAAAAAAAAAAAAAAMAAAAAQAAAAAAAAAAAAAAAAAAAB8AAABUAAAAAAAABQAAAAEAAAAAAAAAAAAAAAAAAAAAAAAAAAAAAAAAAAAAAAAAAAAAAAJ/f38AAAAAA8zMzADAwP8Af39/AAAAAAAAAAAAAAAAAAAAAAAAAAAAIQAAABgAAAAUAAAAoRkAABsnAABfMQAAWSkAABAAAAAmAAAACAAAAAAAAAAAAAAA"/>
               </a:ext>
             </a:extLst>
           </p:cNvSpPr>
@@ -2129,7 +2143,7 @@
           <a:bodyPr/>
           <a:lstStyle/>
           <a:p>
-            <a:endParaRPr/>
+            <a:pPr/>
           </a:p>
         </p:txBody>
       </p:sp>
@@ -2140,7 +2154,7 @@
             <a:spLocks noGrp="1" noChangeArrowheads="1"/>
             <a:extLst>
               <a:ext uri="smNativeData">
-                <pr:smNativeData xmlns="smNativeData" xmlns:pr="smNativeData" xmlns:p15="http://schemas.microsoft.com/office/powerpoint/2012/main" xmlns:p14="http://schemas.microsoft.com/office/powerpoint/2010/main" xmlns:mc="http://schemas.openxmlformats.org/markup-compatibility/2006" val="SMDATA_15_wwJCaRMAAAAlAAAAZAAAAA8BAAAAkAAAAEgAAACQAAAASAAAAAAAAAABAAAAAAAAAAEAAABQAAAAAAAAAAAA4D8AAAAAAADgPwAAAAAAAOA/AAAAAAAA4D8AAAAAAADgPwAAAAAAAOA/AAAAAAAA4D8AAAAAAADgPwAAAAAAAOA/AAAAAAAA4D8CAAAAjAAAAAAAAAAAAAAAu+DjDP///wgAAAAAAAAAAAAAAAAAAAAAAAAAAAAAAAAAAAAAZAAAAAEAAABAAAAAAAAAAAAAAAAAAAAAAAAAAAAAAAAAAAAAAAAAAAAAAAAAAAAAAAAAAAAAAAAAAAAAAAAAAAAAAAAAAAAAAAAAAAAAAAAAAAAAAAAAAAAAAAAAAAAAFAAAADwAAAAAAAAAAAAAAAAAAAkUAAAAAQAAABQAAAAUAAAAFAAAAAEAAAAAAAAAZAAAAGQAAAAAAAAAZAAAAGQAAAAVAAAAYAAAAAAAAAAAAAAADwAAACADAAAAAAAAAAAAAAEAAACgMgAAVgcAAKr4//8BAAAAf39/AAEAAABkAAAAAAAAABQAAABAHwAAAAAAACYAAAAAAAAAwOD//wAAAAAmAAAAZAAAABYAAABMAAAAAAAAAAAAAAAEAAAAAAAAAAEAAACAgIAKAAAAACgAAAAoAAAAZAAAAGQAAAAAAAAAzMzMAAAAAABQAAAAUAAAAGQAAABkAAAAAAAAABcAAAAUAAAAAAAAAAAAAAD/fwAA/38AAAAAAAAJAAAABAAAAAAAAAAeAAAAaAAAAAAAAAAAAAAAAAAAAAAAAAAAAAAAECcAABAnAAAAAAAAAAAAAAAAAAAAAAAAAAAAAAAAAAAAAAAAAAAAABQAAAAAAAAAwMD/AAAAAABkAAAAMgAAAAAAAABkAAAAAAAAAH9/fwAKAAAAIgAAABgAAAAAAAAAAAAAAAAAAAAAAAAAAAAAAAAAAAAkAAAAJAAAAAAAAAAHAAAAAAAAAAAAAAAAAAAAAAAAAAAAAAAAAAAAf39/ACUAAABYAAAAAAAAAAAAAAAAAAAAAAAAAAAAAAAAAAAAAAAAAAAAAAAAAAAAAAAAAAAAAAA/AAAAAAAAAKCGAQAAAAAAAAAAAAAAAAAMAAAAAQAAAAAAAAAAAAAAAAAAAB8AAABUAAAAAAAABQAAAAEAAAAAAAAAAAAAAAAAAAAAAAAAAAAAAAAAAAAAAAAAAAAAAAJ/f38AAAAAA8zMzADAwP8Af39/AAAAAAAAAAAAAAAAAAAAAAAAAAAAIQAAABgAAAAUAAAAwTUAABsnAABARwAAWSkAABAAAAAmAAAACAAAAAAAAAAAAAAA"/>
+                <pr:smNativeData xmlns:pr="smNativeData" xmlns="smNativeData" val="SMDATA_15_SSBGaRMAAAAlAAAAZAAAAA0AAAAAkAAAAEgAAACQAAAASAAAAAAAAAABAAAAAAAAAAEAAABQAAAAAAAAAAAA4D8AAAAAAADgPwAAAAAAAOA/AAAAAAAA4D8AAAAAAADgPwAAAAAAAOA/AAAAAAAA4D8AAAAAAADgPwAAAAAAAOA/AAAAAAAA4D8CAAAAjAAAAAAAAAAAAAAAu+DjDP///wgAAAAAAAAAAAAAAAAAAAAAAAAAAAAAAAAAAAAAZAAAAAEAAABAAAAAAAAAAAAAAAAAAAAAAAAAAAAAAAAAAAAAAAAAAAAAAAAAAAAAAAAAAAAAAAAAAAAAAAAAAAAAAAAAAAAAAAAAAAAAAAAAAAAAAAAAAAAAAAAAAAAAFAAAADwAAAAAAAAAAAAAAAAAAAkUAAAAAQAAABQAAAAUAAAAFAAAAAEAAAAAAAAAZAAAAGQAAAAAAAAAZAAAAGQAAAAVAAAAYAAAAAAAAAAAAAAADwAAACADAAAAAAAAAAAAAAEAAACgMgAAVgcAAKr4//8BAAAAf39/AAEAAABkAAAAAAAAABQAAABAHwAAAAAAACYAAAAAAAAAwOD//wAAAAAmAAAAZAAAABYAAABMAAAAAAAAAAAAAAAEAAAAAAAAAAEAAACAgIAKAAAAACgAAAAoAAAAZAAAAGQAAAAAAAAAzMzMAAAAAABQAAAAUAAAAGQAAABkAAAAAAAAABcAAAAUAAAAAAAAAAAAAAD/fwAA/38AAAAAAAAJAAAABAAAAAAAAAAeAAAAaAAAAAAAAAAAAAAAAAAAAAAAAAAAAAAAECcAABAnAAAAAAAAAAAAAAAAAAAAAAAAAAAAAAAAAAAAAAAAAAAAABQAAAAAAAAAwMD/AAAAAABkAAAAMgAAAAAAAABkAAAAAAAAAH9/fwAKAAAAIgAAABgAAAAAAAAAAAAAAAAAAAAAAAAAAAAAAAAAAAAkAAAAJAAAAAAAAAAHAAAAAAAAAAAAAAAAAAAAAAAAAAAAAAAAAAAAf39/ACUAAABYAAAAAAAAAAAAAAAAAAAAAAAAAAAAAAAAAAAAAAAAAAAAAAAAAAAAAAAAAAAAAAA/AAAAAAAAAKCGAQAAAAAAAAAAAAAAAAAMAAAAAQAAAAAAAAAAAAAAAAAAAB8AAABUAAAAAAAABQAAAAEAAAAAAAAAAAAAAAAAAAAAAAAAAAAAAAAAAAAAAAAAAAAAAAJ/f38AAAAAA8zMzADAwP8Af39/AAAAAAAAAAAAAAAAAAAAAAAAAAAAIQAAABgAAAAUAAAAwTUAABsnAABARwAAWSkAABAAAAAmAAAACAAAAAAAAAAAAAAA"/>
               </a:ext>
             </a:extLst>
           </p:cNvSpPr>
@@ -2153,10 +2167,10 @@
           <a:bodyPr/>
           <a:lstStyle/>
           <a:p>
-            <a:fld id="{2B3A0E4D-03C6-6FF8-8882-F5AD40CC7EA0}" type="slidenum">
+            <a:pPr/>
+            <a:fld id="{1B0ED143-0DF6-5B27-B8B6-FB729FF84EAE}" type="slidenum">
               <a:t>‹#›</a:t>
             </a:fld>
-            <a:endParaRPr/>
           </a:p>
         </p:txBody>
       </p:sp>
@@ -2170,7 +2184,7 @@
 </file>
 
 <file path=ppt/slideLayouts/slideLayout8.xml><?xml version="1.0" encoding="utf-8"?>
-<p:sldLayout xmlns:a="http://schemas.openxmlformats.org/drawingml/2006/main" xmlns:r="http://schemas.openxmlformats.org/officeDocument/2006/relationships" xmlns:p="http://schemas.openxmlformats.org/presentationml/2006/main" type="objTx">
+<p:sldLayout xmlns:p="http://schemas.openxmlformats.org/presentationml/2006/main" xmlns:mc="http://schemas.openxmlformats.org/markup-compatibility/2006" xmlns:p14="http://schemas.microsoft.com/office/powerpoint/2010/main" xmlns:p15="http://schemas.microsoft.com/office/powerpoint/2012/main" xmlns:r="http://schemas.openxmlformats.org/officeDocument/2006/relationships" xmlns:a="http://schemas.openxmlformats.org/drawingml/2006/main" type="objTx">
   <p:cSld name="Content with caption">
     <p:spTree>
       <p:nvGrpSpPr>
@@ -2193,7 +2207,7 @@
             <a:spLocks noGrp="1" noChangeArrowheads="1"/>
             <a:extLst>
               <a:ext uri="smNativeData">
-                <pr:smNativeData xmlns="smNativeData" xmlns:pr="smNativeData" xmlns:p15="http://schemas.microsoft.com/office/powerpoint/2012/main" xmlns:p14="http://schemas.microsoft.com/office/powerpoint/2010/main" xmlns:mc="http://schemas.openxmlformats.org/markup-compatibility/2006" val="SMDATA_15_wwJCaRMAAAAlAAAAZAAAAA8BAAAAkAAAAEgAAACQAAAASAAAAAAAAAACAAAAAAAAAAEAAABQAAAAAAAAAAAA4D8AAAAAAADgPwAAAAAAAOA/AAAAAAAA4D8AAAAAAADgPwAAAAAAAOA/AAAAAAAA4D8AAAAAAADgPwAAAAAAAOA/AAAAAAAA4D8CAAAAjAAAAAAAAAAAAAAAu+DjDP///wgAAAAAAAAAAAAAAAAAAAAAAAAAAAAAAAAAAAAAZAAAAAEAAABAAAAAAAAAAAAAAAAAAAAAAAAAAAAAAAAAAAAAAAAAAAAAAAAAAAAAAAAAAAAAAAAAAAAAAAAAAAAAAAAAAAAAAAAAAAAAAAAAAAAAAAAAAAAAAAAAAAAAFAAAADwAAAAAAAAAAAAAAAAAAAkUAAAAAQAAABQAAAAUAAAAFAAAAAEAAAAAAAAAZAAAAGQAAAAAAAAAZAAAAGQAAAAVAAAAYAAAAAAAAAAAAAAADwAAACADAAAAAAAAAAAAAAEAAACgMgAAVgcAAKr4//8BAAAAf39/AAEAAABkAAAAAAAAABQAAABAHwAAAAAAACYAAAAAAAAAwOD//wAAAAAmAAAAZAAAABYAAABMAAAAAAAAAAAAAAAEAAAAAAAAAAEAAACAgIAKAAAAACgAAAAoAAAAZAAAAGQAAAAAAAAAzMzMAAAAAABQAAAAUAAAAGQAAABkAAAAAAAAABcAAAAUAAAAAAAAAAAAAAD/fwAA/38AAAAAAAAJAAAABAAAAAAAAAAeAAAAaAAAAAAAAAAAAAAAAAAAAAAAAAAAAAAAECcAABAnAAAAAAAAAAAAAAAAAAAAAAAAAAAAAAAAAAAAAAAAAAAAABQAAAAAAAAAwMD/AAAAAABkAAAAMgAAAAAAAABkAAAAAAAAAH9/fwAKAAAAIgAAABgAAAAAAAAAAAAAAAAAAAAAAAAAAAAAAAAAAAAkAAAAJAAAAAAAAAAHAAAAAAAAAAAAAAAAAAAAAAAAAAAAAAAAAAAAf39/ACUAAABYAAAAAAAAAAAAAAAAAAAAAAAAAAAAAAAAAAAAAAAAAAAAAAAAAAAAAAAAAAAAAAA/AAAAAAAAAKCGAQAAAAAAAAAAAAAAAAAMAAAAAQAAAAAAAAAAAAAAAAAAAB8AAABUAAAAAAAABQAAAAEAAAAAAAAAAAAAAAAAAAAAAAAAAAAAAAAAAAAAAAAAAAAAAAJ/f38AAAAAA8zMzADAwP8Af39/AAAAAAAAAAAAAAAAAAAAAAAAAAAAIQAAABgAAAAUAAAAwAMAAK4BAABtHAAA1AgAABAAAAAmAAAACAAAAIGAAAAAAAAA"/>
+                <pr:smNativeData xmlns:pr="smNativeData" xmlns="smNativeData" val="SMDATA_15_SSBGaRMAAAAlAAAAZAAAAA0AAAAAkAAAAEgAAACQAAAASAAAAAAAAAACAAAAAAAAAAEAAABQAAAAAAAAAAAA4D8AAAAAAADgPwAAAAAAAOA/AAAAAAAA4D8AAAAAAADgPwAAAAAAAOA/AAAAAAAA4D8AAAAAAADgPwAAAAAAAOA/AAAAAAAA4D8CAAAAjAAAAAAAAAAAAAAAu+DjDP///wgAAAAAAAAAAAAAAAAAAAAAAAAAAAAAAAAAAAAAZAAAAAEAAABAAAAAAAAAAAAAAAAAAAAAAAAAAAAAAAAAAAAAAAAAAAAAAAAAAAAAAAAAAAAAAAAAAAAAAAAAAAAAAAAAAAAAAAAAAAAAAAAAAAAAAAAAAAAAAAAAAAAAFAAAADwAAAAAAAAAAAAAAAAAAAkUAAAAAQAAABQAAAAUAAAAFAAAAAEAAAAAAAAAZAAAAGQAAAAAAAAAZAAAAGQAAAAVAAAAYAAAAAAAAAAAAAAADwAAACADAAAAAAAAAAAAAAEAAACgMgAAVgcAAKr4//8BAAAAf39/AAEAAABkAAAAAAAAABQAAABAHwAAAAAAACYAAAAAAAAAwOD//wAAAAAmAAAAZAAAABYAAABMAAAAAAAAAAAAAAAEAAAAAAAAAAEAAACAgIAKAAAAACgAAAAoAAAAZAAAAGQAAAAAAAAAzMzMAAAAAABQAAAAUAAAAGQAAABkAAAAAAAAABcAAAAUAAAAAAAAAAAAAAD/fwAA/38AAAAAAAAJAAAABAAAAGkAZAAeAAAAaAAAAAAAAAAAAAAAAAAAAAAAAAAAAAAAECcAABAnAAAAAAAAAAAAAAAAAAAAAAAAAAAAAAAAAAAAAAAAAAAAABQAAAAAAAAAwMD/AAAAAABkAAAAMgAAAAAAAABkAAAAAAAAAH9/fwAKAAAAIgAAABgAAAAAAAAAAAAAAAAAAAAAAAAAAAAAAAAAAAAkAAAAJAAAAAAAAAAHAAAAAAAAAAAAAAAAAAAAAAAAAAAAAAAAAAAAf39/ACUAAABYAAAAAAAAAAAAAAAAAAAAAAAAAAAAAAAAAAAAAAAAAAAAAAAAAAAAAAAAAAAAAAA/AAAAAAAAAKCGAQAAAAAAAAAAAAAAAAAMAAAAAQAAAAAAAAAAAAAAAAAAAB8AAABUAAAAAAAABQAAAAEAAAAAAAAAAAAAAAAAAAAAAAAAAAAAAAAAAAAAAAAAAAAAAAJ/f38AAAAAA8zMzADAwP8Af39/AAAAAAAAAAAAAAAAAAAAAAAAAAAAIQAAABgAAAAUAAAAwAMAAK4BAABtHAAA1AgAABAAAAAmAAAACAAAAIGQAAAAAAAA"/>
               </a:ext>
             </a:extLst>
           </p:cNvSpPr>
@@ -2208,7 +2222,7 @@
           </a:xfrm>
         </p:spPr>
         <p:txBody>
-          <a:bodyPr vert="horz" wrap="square" numCol="1" spcCol="215900" anchor="b">
+          <a:bodyPr vert="horz" wrap="square" lIns="91440" tIns="45720" rIns="91440" bIns="45720" numCol="1" spcCol="215900" anchor="b">
             <a:prstTxWarp prst="textNoShape">
               <a:avLst/>
             </a:prstTxWarp>
@@ -2219,6 +2233,7 @@
             </a:lvl1pPr>
           </a:lstStyle>
           <a:p>
+            <a:pPr/>
             <a:r>
               <a:t>Click to edit Master title style</a:t>
             </a:r>
@@ -2232,7 +2247,7 @@
             <a:spLocks noGrp="1" noChangeArrowheads="1"/>
             <a:extLst>
               <a:ext uri="smNativeData">
-                <pr:smNativeData xmlns="smNativeData" xmlns:pr="smNativeData" xmlns:p15="http://schemas.microsoft.com/office/powerpoint/2012/main" xmlns:p14="http://schemas.microsoft.com/office/powerpoint/2010/main" xmlns:mc="http://schemas.openxmlformats.org/markup-compatibility/2006" val="SMDATA_15_wwJCaRMAAAAlAAAAZAAAAA8BAAAAkAAAAEgAAACQAAAASAAAAAAAAAAAAAAAAAAAAAEAAABQAAAAAAAAAAAA4D8AAAAAAADgPwAAAAAAAOA/AAAAAAAA4D8AAAAAAADgPwAAAAAAAOA/AAAAAAAA4D8AAAAAAADgPwAAAAAAAOA/AAAAAAAA4D8CAAAAjAAAAAAAAAAAAAAAu+DjDP///wgAAAAAAAAAAAAAAAAAAAAAAAAAAAAAAAAAAAAAZAAAAAEAAABAAAAAAAAAAAAAAAAAAAAAAAAAAAAAAAAAAAAAAAAAAAAAAAAAAAAAAAAAAAAAAAAAAAAAAAAAAAAAAAAAAAAAAAAAAAAAAAAAAAAAAAAAAAAAAAAAAAAAFAAAADwAAAAAAAAAAAAAAAAAAAkUAAAAAQAAABQAAAAUAAAAFAAAAAEAAAAAAAAAZAAAAGQAAAAAAAAAZAAAAGQAAAAVAAAAYAAAAAAAAAAAAAAADwAAACADAAAAAAAAAAAAAAEAAACgMgAAVgcAAKr4//8BAAAAf39/AAEAAABkAAAAAAAAABQAAABAHwAAAAAAACYAAAAAAAAAwOD//wAAAAAmAAAAZAAAABYAAABMAAAAAAAAAAAAAAAEAAAAAAAAAAEAAACAgIAKAAAAACgAAAAoAAAAZAAAAGQAAAAAAAAAzMzMAAAAAABQAAAAUAAAAGQAAABkAAAAAAAAABcAAAAUAAAAAAAAAAAAAAD/fwAA/38AAAAAAAAJAAAABAAAAAAAAAAeAAAAaAAAAAAAAAAAAAAAAAAAAAAAAAAAAAAAECcAABAnAAAAAAAAAAAAAAAAAAAAAAAAAAAAAAAAAAAAAAAAAAAAABQAAAAAAAAAwMD/AAAAAABkAAAAMgAAAAAAAABkAAAAAAAAAH9/fwAKAAAAIgAAABgAAAAAAAAAAAAAAAAAAAAAAAAAAAAAAAAAAAAkAAAAJAAAAAAAAAAHAAAAAAAAAAAAAAAAAAAAAAAAAAAAAAAAAAAAf39/ACUAAABYAAAAAAAAAAAAAAAAAAAAAAAAAAAAAAAAAAAAAAAAAAAAAAAAAAAAAAAAAAAAAAA/AAAAAAAAAKCGAQAAAAAAAAAAAAAAAAAMAAAAAQAAAAAAAAAAAAAAAAAAAB8AAABUAAAAAAAABQAAAAEAAAAAAAAAAAAAAAAAAAAAAAAAAAAAAAAAAAAAAAAAAAAAAAJ/f38AAAAAA8zMzADAwP8Af39/AAAAAAAAAAAAAAAAAAAAAAAAAAAAIQAAABgAAAAUAAAAUx0AAK4BAABARwAAsCUAABAAAAAmAAAACAAAAAGAAAAAAAAA"/>
+                <pr:smNativeData xmlns:pr="smNativeData" xmlns="smNativeData" val="SMDATA_15_SSBGaRMAAAAlAAAAZAAAAA0AAAAAkAAAAEgAAACQAAAASAAAAAAAAAAAAAAAAAAAAAEAAABQAAAAAAAAAAAA4D8AAAAAAADgPwAAAAAAAOA/AAAAAAAA4D8AAAAAAADgPwAAAAAAAOA/AAAAAAAA4D8AAAAAAADgPwAAAAAAAOA/AAAAAAAA4D8CAAAAjAAAAAAAAAAAAAAAu+DjDP///wgAAAAAAAAAAAAAAAAAAAAAAAAAAAAAAAAAAAAAZAAAAAEAAABAAAAAAAAAAAAAAAAAAAAAAAAAAAAAAAAAAAAAAAAAAAAAAAAAAAAAAAAAAAAAAAAAAAAAAAAAAAAAAAAAAAAAAAAAAAAAAAAAAAAAAAAAAAAAAAAAAAAAFAAAADwAAAAAAAAAAAAAAAAAAAkUAAAAAQAAABQAAAAUAAAAFAAAAAEAAAAAAAAAZAAAAGQAAAAAAAAAZAAAAGQAAAAVAAAAYAAAAAAAAAAAAAAADwAAACADAAAAAAAAAAAAAAEAAACgMgAAVgcAAKr4//8BAAAAf39/AAEAAABkAAAAAAAAABQAAABAHwAAAAAAACYAAAAAAAAAwOD//wAAAAAmAAAAZAAAABYAAABMAAAAAAAAAAAAAAAEAAAAAAAAAAEAAACAgIAKAAAAACgAAAAoAAAAZAAAAGQAAAAAAAAAzMzMAAAAAABQAAAAUAAAAGQAAABkAAAAAAAAABcAAAAUAAAAAAAAAAAAAAD/fwAA/38AAAAAAAAJAAAABAAAAAAAAAAeAAAAaAAAAAAAAAAAAAAAAAAAAAAAAAAAAAAAECcAABAnAAAAAAAAAAAAAAAAAAAAAAAAAAAAAAAAAAAAAAAAAAAAABQAAAAAAAAAwMD/AAAAAABkAAAAMgAAAAAAAABkAAAAAAAAAH9/fwAKAAAAIgAAABgAAAAAAAAAAAAAAAAAAAAAAAAAAAAAAAAAAAAkAAAAJAAAAAAAAAAHAAAAAAAAAAAAAAAAAAAAAAAAAAAAAAAAAAAAf39/ACUAAABYAAAAAAAAAAAAAAAAAAAAAAAAAAAAAAAAAAAAAAAAAAAAAAAAAAAAAAAAAAAAAAA/AAAAAAAAAKCGAQAAAAAAAAAAAAAAAAAMAAAAAQAAAAAAAAAAAAAAAAAAAB8AAABUAAAAAAAABQAAAAEAAAAAAAAAAAAAAAAAAAAAAAAAAAAAAAAAAAAAAAAAAAAAAAJ/f38AAAAAA8zMzADAwP8Af39/AAAAAAAAAAAAAAAAAAAAAAAAAAAAIQAAABgAAAAUAAAAUx0AAK4BAABARwAAsCUAABAAAAAmAAAACAAAAAGAAAAAAAAA"/>
               </a:ext>
             </a:extLst>
           </p:cNvSpPr>
@@ -2278,6 +2293,7 @@
             </a:lvl9pPr>
           </a:lstStyle>
           <a:p>
+            <a:pPr/>
             <a:r>
               <a:t>Click to edit Master text styles</a:t>
             </a:r>
@@ -2315,7 +2331,7 @@
             <a:spLocks noGrp="1" noChangeArrowheads="1"/>
             <a:extLst>
               <a:ext uri="smNativeData">
-                <pr:smNativeData xmlns="smNativeData" xmlns:pr="smNativeData" xmlns:p15="http://schemas.microsoft.com/office/powerpoint/2012/main" xmlns:p14="http://schemas.microsoft.com/office/powerpoint/2010/main" xmlns:mc="http://schemas.openxmlformats.org/markup-compatibility/2006" val="SMDATA_15_wwJCaRMAAAAlAAAAZAAAAA8BAAAAkAAAAEgAAACQAAAASAAAAAAAAAAAAAAAAAAAAAEAAABQAAAAAAAAAAAA4D8AAAAAAADgPwAAAAAAAOA/AAAAAAAA4D8AAAAAAADgPwAAAAAAAOA/AAAAAAAA4D8AAAAAAADgPwAAAAAAAOA/AAAAAAAA4D8CAAAAjAAAAAAAAAAAAAAAu+DjDP///wgAAAAAAAAAAAAAAAAAAAAAAAAAAAAAAAAAAAAAZAAAAAEAAABAAAAAAAAAAAAAAAAAAAAAAAAAAAAAAAAAAAAAAAAAAAAAAAAAAAAAAAAAAAAAAAAAAAAAAAAAAAAAAAAAAAAAAAAAAAAAAAAAAAAAAAAAAAAAAAAAAAAAFAAAADwAAAAAAAAAAAAAAAAAAAkUAAAAAQAAABQAAAAUAAAAFAAAAAEAAAAAAAAAZAAAAGQAAAAAAAAAZAAAAGQAAAAVAAAAYAAAAAAAAAAAAAAADwAAACADAAAAAAAAAAAAAAEAAACgMgAAVgcAAKr4//8BAAAAf39/AAEAAABkAAAAAAAAABQAAABAHwAAAAAAACYAAAAAAAAAwOD//wAAAAAmAAAAZAAAABYAAABMAAAAAAAAAAAAAAAEAAAAAAAAAAEAAACAgIAKAAAAACgAAAAoAAAAZAAAAGQAAAAAAAAAzMzMAAAAAABQAAAAUAAAAGQAAABkAAAAAAAAABcAAAAUAAAAAAAAAAAAAAD/fwAA/38AAAAAAAAJAAAABAAAAAAAAAAeAAAAaAAAAAAAAAAAAAAAAAAAAAAAAAAAAAAAECcAABAnAAAAAAAAAAAAAAAAAAAAAAAAAAAAAAAAAAAAAAAAAAAAABQAAAAAAAAAwMD/AAAAAABkAAAAMgAAAAAAAABkAAAAAAAAAH9/fwAKAAAAIgAAABgAAAAAAAAAAAAAAAAAAAAAAAAAAAAAAAAAAAAkAAAAJAAAAAAAAAAHAAAAAAAAAAAAAAAAAAAAAAAAAAAAAAAAAAAAf39/ACUAAABYAAAAAAAAAAAAAAAAAAAAAAAAAAAAAAAAAAAAAAAAAAAAAAAAAAAAAAAAAAAAAAA/AAAAAAAAAKCGAQAAAAAAAAAAAAAAAAAMAAAAAQAAAAAAAAAAAAAAAAAAAB8AAABUAAAAAAAABQAAAAEAAAAAAAAAAAAAAAAAAAAAAAAAAAAAAAAAAAAAAAAAAAAAAAJ/f38AAAAAA8zMzADAwP8Af39/AAAAAAAAAAAAAAAAAAAAAAAAAAAAIQAAABgAAAAUAAAAwAMAANQIAABtHAAAsCUAABAAAAAmAAAACAAAAAGAAAAAAAAA"/>
+                <pr:smNativeData xmlns:pr="smNativeData" xmlns="smNativeData" val="SMDATA_15_SSBGaRMAAAAlAAAAZAAAAA0AAAAAkAAAAEgAAACQAAAASAAAAAAAAAAAAAAAAAAAAAEAAABQAAAAAAAAAAAA4D8AAAAAAADgPwAAAAAAAOA/AAAAAAAA4D8AAAAAAADgPwAAAAAAAOA/AAAAAAAA4D8AAAAAAADgPwAAAAAAAOA/AAAAAAAA4D8CAAAAjAAAAAAAAAAAAAAAu+DjDP///wgAAAAAAAAAAAAAAAAAAAAAAAAAAAAAAAAAAAAAZAAAAAEAAABAAAAAAAAAAAAAAAAAAAAAAAAAAAAAAAAAAAAAAAAAAAAAAAAAAAAAAAAAAAAAAAAAAAAAAAAAAAAAAAAAAAAAAAAAAAAAAAAAAAAAAAAAAAAAAAAAAAAAFAAAADwAAAAAAAAAAAAAAAAAAAkUAAAAAQAAABQAAAAUAAAAFAAAAAEAAAAAAAAAZAAAAGQAAAAAAAAAZAAAAGQAAAAVAAAAYAAAAAAAAAAAAAAADwAAACADAAAAAAAAAAAAAAEAAACgMgAAVgcAAKr4//8BAAAAf39/AAEAAABkAAAAAAAAABQAAABAHwAAAAAAACYAAAAAAAAAwOD//wAAAAAmAAAAZAAAABYAAABMAAAAAAAAAAAAAAAEAAAAAAAAAAEAAACAgIAKAAAAACgAAAAoAAAAZAAAAGQAAAAAAAAAzMzMAAAAAABQAAAAUAAAAGQAAABkAAAAAAAAABcAAAAUAAAAAAAAAAAAAAD/fwAA/38AAAAAAAAJAAAABAAAAAAAAAAeAAAAaAAAAAAAAAAAAAAAAAAAAAAAAAAAAAAAECcAABAnAAAAAAAAAAAAAAAAAAAAAAAAAAAAAAAAAAAAAAAAAAAAABQAAAAAAAAAwMD/AAAAAABkAAAAMgAAAAAAAABkAAAAAAAAAH9/fwAKAAAAIgAAABgAAAAAAAAAAAAAAAAAAAAAAAAAAAAAAAAAAAAkAAAAJAAAAAAAAAAHAAAAAAAAAAAAAAAAAAAAAAAAAAAAAAAAAAAAf39/ACUAAABYAAAAAAAAAAAAAAAAAAAAAAAAAAAAAAAAAAAAAAAAAAAAAAAAAAAAAAAAAAAAAAA/AAAAAAAAAKCGAQAAAAAAAAAAAAAAAAAMAAAAAQAAAAAAAAAAAAAAAAAAAB8AAABUAAAAAAAABQAAAAEAAAAAAAAAAAAAAAAAAAAAAAAAAAAAAAAAAAAAAAAAAAAAAAJ/f38AAAAAA8zMzADAwP8Af39/AAAAAAAAAAAAAAAAAAAAAAAAAAAAIQAAABgAAAAUAAAAwAMAANQIAABtHAAAsCUAABAAAAAmAAAACAAAAAGAAAAAAAAA"/>
               </a:ext>
             </a:extLst>
           </p:cNvSpPr>
@@ -2370,6 +2386,7 @@
             </a:lvl9pPr>
           </a:lstStyle>
           <a:p>
+            <a:pPr/>
             <a:r>
               <a:t>Click to edit Master text styles</a:t>
             </a:r>
@@ -2383,7 +2400,7 @@
             <a:spLocks noGrp="1" noChangeArrowheads="1"/>
             <a:extLst>
               <a:ext uri="smNativeData">
-                <pr:smNativeData xmlns="smNativeData" xmlns:pr="smNativeData" xmlns:p15="http://schemas.microsoft.com/office/powerpoint/2012/main" xmlns:p14="http://schemas.microsoft.com/office/powerpoint/2010/main" xmlns:mc="http://schemas.openxmlformats.org/markup-compatibility/2006" val="SMDATA_15_wwJCaRMAAAAlAAAAZAAAAA8BAAAAkAAAAEgAAACQAAAASAAAAAAAAAABAAAAAAAAAAEAAABQAAAAAAAAAAAA4D8AAAAAAADgPwAAAAAAAOA/AAAAAAAA4D8AAAAAAADgPwAAAAAAAOA/AAAAAAAA4D8AAAAAAADgPwAAAAAAAOA/AAAAAAAA4D8CAAAAjAAAAAAAAAAAAAAAu+DjDP///wgAAAAAAAAAAAAAAAAAAAAAAAAAAAAAAAAAAAAAZAAAAAEAAABAAAAAAAAAAAAAAAAAAAAAAAAAAAAAAAAAAAAAAAAAAAAAAAAAAAAAAAAAAAAAAAAAAAAAAAAAAAAAAAAAAAAAAAAAAAAAAAAAAAAAAAAAAAAAAAAAAAAAFAAAADwAAAAAAAAAAAAAAAAAAAkUAAAAAQAAABQAAAAUAAAAFAAAAAEAAAAAAAAAZAAAAGQAAAAAAAAAZAAAAGQAAAAVAAAAYAAAAAAAAAAAAAAADwAAACADAAAAAAAAAAAAAAEAAACgMgAAVgcAAKr4//8BAAAAf39/AAEAAABkAAAAAAAAABQAAABAHwAAAAAAACYAAAAAAAAAwOD//wAAAAAmAAAAZAAAABYAAABMAAAAAAAAAAAAAAAEAAAAAAAAAAEAAACAgIAKAAAAACgAAAAoAAAAZAAAAGQAAAAAAAAAzMzMAAAAAABQAAAAUAAAAGQAAABkAAAAAAAAABcAAAAUAAAAAAAAAAAAAAD/fwAA/38AAAAAAAAJAAAABAAAAAAAAAAeAAAAaAAAAAAAAAAAAAAAAAAAAAAAAAAAAAAAECcAABAnAAAAAAAAAAAAAAAAAAAAAAAAAAAAAAAAAAAAAAAAAAAAABQAAAAAAAAAwMD/AAAAAABkAAAAMgAAAAAAAABkAAAAAAAAAH9/fwAKAAAAIgAAABgAAAAAAAAAAAAAAAAAAAAAAAAAAAAAAAAAAAAkAAAAJAAAAAAAAAAHAAAAAAAAAAAAAAAAAAAAAAAAAAAAAAAAAAAAf39/ACUAAABYAAAAAAAAAAAAAAAAAAAAAAAAAAAAAAAAAAAAAAAAAAAAAAAAAAAAAAAAAAAAAAA/AAAAAAAAAKCGAQAAAAAAAAAAAAAAAAAMAAAAAQAAAAAAAAAAAAAAAAAAAB8AAABUAAAAAAAABQAAAAEAAAAAAAAAAAAAAAAAAAAAAAAAAAAAAAAAAAAAAAAAAAAAAAJ/f38AAAAAA8zMzADAwP8Af39/AAAAAAAAAAAAAAAAAAAAAAAAAAAAIQAAABgAAAAUAAAAwAMAABsnAAA/FQAAWSkAABAAAAAmAAAACAAAAAAAAAAAAAAA"/>
+                <pr:smNativeData xmlns:pr="smNativeData" xmlns="smNativeData" val="SMDATA_15_SSBGaRMAAAAlAAAAZAAAAA0AAAAAkAAAAEgAAACQAAAASAAAAAAAAAABAAAAAAAAAAEAAABQAAAAAAAAAAAA4D8AAAAAAADgPwAAAAAAAOA/AAAAAAAA4D8AAAAAAADgPwAAAAAAAOA/AAAAAAAA4D8AAAAAAADgPwAAAAAAAOA/AAAAAAAA4D8CAAAAjAAAAAAAAAAAAAAAu+DjDP///wgAAAAAAAAAAAAAAAAAAAAAAAAAAAAAAAAAAAAAZAAAAAEAAABAAAAAAAAAAAAAAAAAAAAAAAAAAAAAAAAAAAAAAAAAAAAAAAAAAAAAAAAAAAAAAAAAAAAAAAAAAAAAAAAAAAAAAAAAAAAAAAAAAAAAAAAAAAAAAAAAAAAAFAAAADwAAAAAAAAAAAAAAAAAAAkUAAAAAQAAABQAAAAUAAAAFAAAAAEAAAAAAAAAZAAAAGQAAAAAAAAAZAAAAGQAAAAVAAAAYAAAAAAAAAAAAAAADwAAACADAAAAAAAAAAAAAAEAAACgMgAAVgcAAKr4//8BAAAAf39/AAEAAABkAAAAAAAAABQAAABAHwAAAAAAACYAAAAAAAAAwOD//wAAAAAmAAAAZAAAABYAAABMAAAAAAAAAAAAAAAEAAAAAAAAAAEAAACAgIAKAAAAACgAAAAoAAAAZAAAAGQAAAAAAAAAzMzMAAAAAABQAAAAUAAAAGQAAABkAAAAAAAAABcAAAAUAAAAAAAAAAAAAAD/fwAA/38AAAAAAAAJAAAABAAAAAAAAAAeAAAAaAAAAAAAAAAAAAAAAAAAAAAAAAAAAAAAECcAABAnAAAAAAAAAAAAAAAAAAAAAAAAAAAAAAAAAAAAAAAAAAAAABQAAAAAAAAAwMD/AAAAAABkAAAAMgAAAAAAAABkAAAAAAAAAH9/fwAKAAAAIgAAABgAAAAAAAAAAAAAAAAAAAAAAAAAAAAAAAAAAAAkAAAAJAAAAAAAAAAHAAAAAAAAAAAAAAAAAAAAAAAAAAAAAAAAAAAAf39/ACUAAABYAAAAAAAAAAAAAAAAAAAAAAAAAAAAAAAAAAAAAAAAAAAAAAAAAAAAAAAAAAAAAAA/AAAAAAAAAKCGAQAAAAAAAAAAAAAAAAAMAAAAAQAAAAAAAAAAAAAAAAAAAB8AAABUAAAAAAAABQAAAAEAAAAAAAAAAAAAAAAAAAAAAAAAAAAAAAAAAAAAAAAAAAAAAAJ/f38AAAAAA8zMzADAwP8Af39/AAAAAAAAAAAAAAAAAAAAAAAAAAAAIQAAABgAAAAUAAAAwAMAABsnAAA/FQAAWSkAABAAAAAmAAAACAAAAAAAAAAAAAAA"/>
               </a:ext>
             </a:extLst>
           </p:cNvSpPr>
@@ -2396,10 +2413,10 @@
           <a:bodyPr/>
           <a:lstStyle/>
           <a:p>
-            <a:fld id="{2B3A2994-DAC6-6FDF-8882-2C8A67CC7E79}" type="datetime1">
+            <a:pPr/>
+            <a:fld id="{1B0EB426-68F6-5B42-B8B6-9E17FAF84ECB}" type="datetime1">
               <a:t>12/16/2025</a:t>
             </a:fld>
-            <a:endParaRPr/>
           </a:p>
         </p:txBody>
       </p:sp>
@@ -2410,7 +2427,7 @@
             <a:spLocks noGrp="1" noChangeArrowheads="1"/>
             <a:extLst>
               <a:ext uri="smNativeData">
-                <pr:smNativeData xmlns="smNativeData" xmlns:pr="smNativeData" xmlns:p15="http://schemas.microsoft.com/office/powerpoint/2012/main" xmlns:p14="http://schemas.microsoft.com/office/powerpoint/2010/main" xmlns:mc="http://schemas.openxmlformats.org/markup-compatibility/2006" val="SMDATA_15_wwJCaRMAAAAlAAAAZAAAAA8BAAAAkAAAAEgAAACQAAAASAAAAAAAAAABAAAAAAAAAAEAAABQAAAAAAAAAAAA4D8AAAAAAADgPwAAAAAAAOA/AAAAAAAA4D8AAAAAAADgPwAAAAAAAOA/AAAAAAAA4D8AAAAAAADgPwAAAAAAAOA/AAAAAAAA4D8CAAAAjAAAAAAAAAAAAAAAu+DjDP///wgAAAAAAAAAAAAAAAAAAAAAAAAAAAAAAAAAAAAAZAAAAAEAAABAAAAAAAAAAAAAAAAAAAAAAAAAAAAAAAAAAAAAAAAAAAAAAAAAAAAAAAAAAAAAAAAAAAAAAAAAAAAAAAAAAAAAAAAAAAAAAAAAAAAAAAAAAAAAAAAAAAAAFAAAADwAAAAAAAAAAAAAAAAAAAkUAAAAAQAAABQAAAAUAAAAFAAAAAEAAAAAAAAAZAAAAGQAAAAAAAAAZAAAAGQAAAAVAAAAYAAAAAAAAAAAAAAADwAAACADAAAAAAAAAAAAAAEAAACgMgAAVgcAAKr4//8BAAAAf39/AAEAAABkAAAAAAAAABQAAABAHwAAAAAAACYAAAAAAAAAwOD//wAAAAAmAAAAZAAAABYAAABMAAAAAAAAAAAAAAAEAAAAAAAAAAEAAACAgIAKAAAAACgAAAAoAAAAZAAAAGQAAAAAAAAAzMzMAAAAAABQAAAAUAAAAGQAAABkAAAAAAAAABcAAAAUAAAAAAAAAAAAAAD/fwAA/38AAAAAAAAJAAAABAAAAHNwY0IeAAAAaAAAAAAAAAAAAAAAAAAAAAAAAAAAAAAAECcAABAnAAAAAAAAAAAAAAAAAAAAAAAAAAAAAAAAAAAAAAAAAAAAABQAAAAAAAAAwMD/AAAAAABkAAAAMgAAAAAAAABkAAAAAAAAAH9/fwAKAAAAIgAAABgAAAAAAAAAAAAAAAAAAAAAAAAAAAAAAAAAAAAkAAAAJAAAAAAAAAAHAAAAAAAAAAAAAAAAAAAAAAAAAAAAAAAAAAAAf39/ACUAAABYAAAAAAAAAAAAAAAAAAAAAAAAAAAAAAAAAAAAAAAAAAAAAAAAAAAAAAAAAAAAAAA/AAAAAAAAAKCGAQAAAAAAAAAAAAAAAAAMAAAAAQAAAAAAAAAAAAAAAAAAAB8AAABUAAAAAAAABQAAAAEAAAAAAAAAAAAAAAAAAAAAAAAAAAAAAAAAAAAAAAAAAAAAAAJ/f38AAAAAA8zMzADAwP8Af39/AAAAAAAAAAAAAAAAAAAAAAAAAAAAIQAAABgAAAAUAAAAoRkAABsnAABfMQAAWSkAABAAAAAmAAAACAAAAAAAAAAAAAAA"/>
+                <pr:smNativeData xmlns:pr="smNativeData" xmlns="smNativeData" val="SMDATA_15_SSBGaRMAAAAlAAAAZAAAAA0AAAAAkAAAAEgAAACQAAAASAAAAAAAAAABAAAAAAAAAAEAAABQAAAAAAAAAAAA4D8AAAAAAADgPwAAAAAAAOA/AAAAAAAA4D8AAAAAAADgPwAAAAAAAOA/AAAAAAAA4D8AAAAAAADgPwAAAAAAAOA/AAAAAAAA4D8CAAAAjAAAAAAAAAAAAAAAu+DjDP///wgAAAAAAAAAAAAAAAAAAAAAAAAAAAAAAAAAAAAAZAAAAAEAAABAAAAAAAAAAAAAAAAAAAAAAAAAAAAAAAAAAAAAAAAAAAAAAAAAAAAAAAAAAAAAAAAAAAAAAAAAAAAAAAAAAAAAAAAAAAAAAAAAAAAAAAAAAAAAAAAAAAAAFAAAADwAAAAAAAAAAAAAAAAAAAkUAAAAAQAAABQAAAAUAAAAFAAAAAEAAAAAAAAAZAAAAGQAAAAAAAAAZAAAAGQAAAAVAAAAYAAAAAAAAAAAAAAADwAAACADAAAAAAAAAAAAAAEAAACgMgAAVgcAAKr4//8BAAAAf39/AAEAAABkAAAAAAAAABQAAABAHwAAAAAAACYAAAAAAAAAwOD//wAAAAAmAAAAZAAAABYAAABMAAAAAAAAAAAAAAAEAAAAAAAAAAEAAACAgIAKAAAAACgAAAAoAAAAZAAAAGQAAAAAAAAAzMzMAAAAAABQAAAAUAAAAGQAAABkAAAAAAAAABcAAAAUAAAAAAAAAAAAAAD/fwAA/38AAAAAAAAJAAAABAAAAAAAAAAeAAAAaAAAAAAAAAAAAAAAAAAAAAAAAAAAAAAAECcAABAnAAAAAAAAAAAAAAAAAAAAAAAAAAAAAAAAAAAAAAAAAAAAABQAAAAAAAAAwMD/AAAAAABkAAAAMgAAAAAAAABkAAAAAAAAAH9/fwAKAAAAIgAAABgAAAAAAAAAAAAAAAAAAAAAAAAAAAAAAAAAAAAkAAAAJAAAAAAAAAAHAAAAAAAAAAAAAAAAAAAAAAAAAAAAAAAAAAAAf39/ACUAAABYAAAAAAAAAAAAAAAAAAAAAAAAAAAAAAAAAAAAAAAAAAAAAAAAAAAAAAAAAAAAAAA/AAAAAAAAAKCGAQAAAAAAAAAAAAAAAAAMAAAAAQAAAAAAAAAAAAAAAAAAAB8AAABUAAAAAAAABQAAAAEAAAAAAAAAAAAAAAAAAAAAAAAAAAAAAAAAAAAAAAAAAAAAAAJ/f38AAAAAA8zMzADAwP8Af39/AAAAAAAAAAAAAAAAAAAAAAAAAAAAIQAAABgAAAAUAAAAoRkAABsnAABfMQAAWSkAABAAAAAmAAAACAAAAAAAAAAAAAAA"/>
               </a:ext>
             </a:extLst>
           </p:cNvSpPr>
@@ -2423,7 +2440,7 @@
           <a:bodyPr/>
           <a:lstStyle/>
           <a:p>
-            <a:endParaRPr/>
+            <a:pPr/>
           </a:p>
         </p:txBody>
       </p:sp>
@@ -2434,7 +2451,7 @@
             <a:spLocks noGrp="1" noChangeArrowheads="1"/>
             <a:extLst>
               <a:ext uri="smNativeData">
-                <pr:smNativeData xmlns="smNativeData" xmlns:pr="smNativeData" xmlns:p15="http://schemas.microsoft.com/office/powerpoint/2012/main" xmlns:p14="http://schemas.microsoft.com/office/powerpoint/2010/main" xmlns:mc="http://schemas.openxmlformats.org/markup-compatibility/2006" val="SMDATA_15_wwJCaRMAAAAlAAAAZAAAAA8BAAAAkAAAAEgAAACQAAAASAAAAAAAAAABAAAAAAAAAAEAAABQAAAAAAAAAAAA4D8AAAAAAADgPwAAAAAAAOA/AAAAAAAA4D8AAAAAAADgPwAAAAAAAOA/AAAAAAAA4D8AAAAAAADgPwAAAAAAAOA/AAAAAAAA4D8CAAAAjAAAAAAAAAAAAAAAu+DjDP///wgAAAAAAAAAAAAAAAAAAAAAAAAAAAAAAAAAAAAAZAAAAAEAAABAAAAAAAAAAAAAAAAAAAAAAAAAAAAAAAAAAAAAAAAAAAAAAAAAAAAAAAAAAAAAAAAAAAAAAAAAAAAAAAAAAAAAAAAAAAAAAAAAAAAAAAAAAAAAAAAAAAAAFAAAADwAAAAAAAAAAAAAAAAAAAkUAAAAAQAAABQAAAAUAAAAFAAAAAEAAAAAAAAAZAAAAGQAAAAAAAAAZAAAAGQAAAAVAAAAYAAAAAAAAAAAAAAADwAAACADAAAAAAAAAAAAAAEAAACgMgAAVgcAAKr4//8BAAAAf39/AAEAAABkAAAAAAAAABQAAABAHwAAAAAAACYAAAAAAAAAwOD//wAAAAAmAAAAZAAAABYAAABMAAAAAAAAAAAAAAAEAAAAAAAAAAEAAACAgIAKAAAAACgAAAAoAAAAZAAAAGQAAAAAAAAAzMzMAAAAAABQAAAAUAAAAGQAAABkAAAAAAAAABcAAAAUAAAAAAAAAAAAAAD/fwAA/38AAAAAAAAJAAAABAAAAAAAAAAeAAAAaAAAAAAAAAAAAAAAAAAAAAAAAAAAAAAAECcAABAnAAAAAAAAAAAAAAAAAAAAAAAAAAAAAAAAAAAAAAAAAAAAABQAAAAAAAAAwMD/AAAAAABkAAAAMgAAAAAAAABkAAAAAAAAAH9/fwAKAAAAIgAAABgAAAAAAAAAAAAAAAAAAAAAAAAAAAAAAAAAAAAkAAAAJAAAAAAAAAAHAAAAAAAAAAAAAAAAAAAAAAAAAAAAAAAAAAAAf39/ACUAAABYAAAAAAAAAAAAAAAAAAAAAAAAAAAAAAAAAAAAAAAAAAAAAAAAAAAAAAAAAAAAAAA/AAAAAAAAAKCGAQAAAAAAAAAAAAAAAAAMAAAAAQAAAAAAAAAAAAAAAAAAAB8AAABUAAAAAAAABQAAAAEAAAAAAAAAAAAAAAAAAAAAAAAAAAAAAAAAAAAAAAAAAAAAAAJ/f38AAAAAA8zMzADAwP8Af39/AAAAAAAAAAAAAAAAAAAAAAAAAAAAIQAAABgAAAAUAAAAwTUAABsnAABARwAAWSkAABAAAAAmAAAACAAAAAAAAAAAAAAA"/>
+                <pr:smNativeData xmlns:pr="smNativeData" xmlns="smNativeData" val="SMDATA_15_SSBGaRMAAAAlAAAAZAAAAA0AAAAAkAAAAEgAAACQAAAASAAAAAAAAAABAAAAAAAAAAEAAABQAAAAAAAAAAAA4D8AAAAAAADgPwAAAAAAAOA/AAAAAAAA4D8AAAAAAADgPwAAAAAAAOA/AAAAAAAA4D8AAAAAAADgPwAAAAAAAOA/AAAAAAAA4D8CAAAAjAAAAAAAAAAAAAAAu+DjDP///wgAAAAAAAAAAAAAAAAAAAAAAAAAAAAAAAAAAAAAZAAAAAEAAABAAAAAAAAAAAAAAAAAAAAAAAAAAAAAAAAAAAAAAAAAAAAAAAAAAAAAAAAAAAAAAAAAAAAAAAAAAAAAAAAAAAAAAAAAAAAAAAAAAAAAAAAAAAAAAAAAAAAAFAAAADwAAAAAAAAAAAAAAAAAAAkUAAAAAQAAABQAAAAUAAAAFAAAAAEAAAAAAAAAZAAAAGQAAAAAAAAAZAAAAGQAAAAVAAAAYAAAAAAAAAAAAAAADwAAACADAAAAAAAAAAAAAAEAAACgMgAAVgcAAKr4//8BAAAAf39/AAEAAABkAAAAAAAAABQAAABAHwAAAAAAACYAAAAAAAAAwOD//wAAAAAmAAAAZAAAABYAAABMAAAAAAAAAAAAAAAEAAAAAAAAAAEAAACAgIAKAAAAACgAAAAoAAAAZAAAAGQAAAAAAAAAzMzMAAAAAABQAAAAUAAAAGQAAABkAAAAAAAAABcAAAAUAAAAAAAAAAAAAAD/fwAA/38AAAAAAAAJAAAABAAAAAAAAAAeAAAAaAAAAAAAAAAAAAAAAAAAAAAAAAAAAAAAECcAABAnAAAAAAAAAAAAAAAAAAAAAAAAAAAAAAAAAAAAAAAAAAAAABQAAAAAAAAAwMD/AAAAAABkAAAAMgAAAAAAAABkAAAAAAAAAH9/fwAKAAAAIgAAABgAAAAAAAAAAAAAAAAAAAAAAAAAAAAAAAAAAAAkAAAAJAAAAAAAAAAHAAAAAAAAAAAAAAAAAAAAAAAAAAAAAAAAAAAAf39/ACUAAABYAAAAAAAAAAAAAAAAAAAAAAAAAAAAAAAAAAAAAAAAAAAAAAAAAAAAAAAAAAAAAAA/AAAAAAAAAKCGAQAAAAAAAAAAAAAAAAAMAAAAAQAAAAAAAAAAAAAAAAAAAB8AAABUAAAAAAAABQAAAAEAAAAAAAAAAAAAAAAAAAAAAAAAAAAAAAAAAAAAAAAAAAAAAAJ/f38AAAAAA8zMzADAwP8Af39/AAAAAAAAAAAAAAAAAAAAAAAAAAAAIQAAABgAAAAUAAAAwTUAABsnAABARwAAWSkAABAAAAAmAAAACAAAAAAAAAAAAAAA"/>
               </a:ext>
             </a:extLst>
           </p:cNvSpPr>
@@ -2447,10 +2464,10 @@
           <a:bodyPr/>
           <a:lstStyle/>
           <a:p>
-            <a:fld id="{2B3A26F1-BFC6-6FD0-8882-498568CC7E1C}" type="slidenum">
+            <a:pPr/>
+            <a:fld id="{1B0EE919-57F6-5B1F-B8B6-A14AA7F84EF4}" type="slidenum">
               <a:t>‹#›</a:t>
             </a:fld>
-            <a:endParaRPr/>
           </a:p>
         </p:txBody>
       </p:sp>
@@ -2464,7 +2481,7 @@
 </file>
 
 <file path=ppt/slideLayouts/slideLayout9.xml><?xml version="1.0" encoding="utf-8"?>
-<p:sldLayout xmlns:a="http://schemas.openxmlformats.org/drawingml/2006/main" xmlns:r="http://schemas.openxmlformats.org/officeDocument/2006/relationships" xmlns:p="http://schemas.openxmlformats.org/presentationml/2006/main" type="picTx">
+<p:sldLayout xmlns:p="http://schemas.openxmlformats.org/presentationml/2006/main" xmlns:mc="http://schemas.openxmlformats.org/markup-compatibility/2006" xmlns:p14="http://schemas.microsoft.com/office/powerpoint/2010/main" xmlns:p15="http://schemas.microsoft.com/office/powerpoint/2012/main" xmlns:r="http://schemas.openxmlformats.org/officeDocument/2006/relationships" xmlns:a="http://schemas.openxmlformats.org/drawingml/2006/main" type="picTx">
   <p:cSld name="Picture with caption">
     <p:spTree>
       <p:nvGrpSpPr>
@@ -2487,7 +2504,7 @@
             <a:spLocks noGrp="1" noChangeArrowheads="1"/>
             <a:extLst>
               <a:ext uri="smNativeData">
-                <pr:smNativeData xmlns="smNativeData" xmlns:pr="smNativeData" xmlns:p15="http://schemas.microsoft.com/office/powerpoint/2012/main" xmlns:p14="http://schemas.microsoft.com/office/powerpoint/2010/main" xmlns:mc="http://schemas.openxmlformats.org/markup-compatibility/2006" val="SMDATA_15_wwJCaRMAAAAlAAAAZAAAAA8BAAAAkAAAAEgAAACQAAAASAAAAAAAAAACAAAAAAAAAAEAAABQAAAAAAAAAAAA4D8AAAAAAADgPwAAAAAAAOA/AAAAAAAA4D8AAAAAAADgPwAAAAAAAOA/AAAAAAAA4D8AAAAAAADgPwAAAAAAAOA/AAAAAAAA4D8CAAAAjAAAAAAAAAAAAAAAu+DjDP///wgAAAAAAAAAAAAAAAAAAAAAAAAAAAAAAAAAAAAAZAAAAAEAAABAAAAAAAAAAAAAAAAAAAAAAAAAAAAAAAAAAAAAAAAAAAAAAAAAAAAAAAAAAAAAAAAAAAAAAAAAAAAAAAAAAAAAAAAAAAAAAAAAAAAAAAAAAAAAAAAAAAAAFAAAADwAAAAAAAAAAAAAAAAAAAkUAAAAAQAAABQAAAAUAAAAFAAAAAEAAAAAAAAAZAAAAGQAAAAAAAAAZAAAAGQAAAAVAAAAYAAAAAAAAAAAAAAADwAAACADAAAAAAAAAAAAAAEAAACgMgAAVgcAAKr4//8BAAAAf39/AAEAAABkAAAAAAAAABQAAABAHwAAAAAAACYAAAAAAAAAwOD//wAAAAAmAAAAZAAAABYAAABMAAAAAAAAAAAAAAAEAAAAAAAAAAEAAACAgIAKAAAAACgAAAAoAAAAZAAAAGQAAAAAAAAAzMzMAAAAAABQAAAAUAAAAGQAAABkAAAAAAAAABcAAAAUAAAAAAAAAAAAAAD/fwAA/38AAAAAAAAJAAAABAAAAAAAAAAeAAAAaAAAAAAAAAAAAAAAAAAAAAAAAAAAAAAAECcAABAnAAAAAAAAAAAAAAAAAAAAAAAAAAAAAAAAAAAAAAAAAAAAABQAAAAAAAAAwMD/AAAAAABkAAAAMgAAAAAAAABkAAAAAAAAAH9/fwAKAAAAIgAAABgAAAAAAAAAAAAAAAAAAAAAAAAAAAAAAAAAAAAkAAAAJAAAAAAAAAAHAAAAAAAAAAAAAAAAAAAAAAAAAAAAAAAAAAAAf39/ACUAAABYAAAAAAAAAAAAAAAAAAAAAAAAAAAAAAAAAAAAAAAAAAAAAAAAAAAAAAAAAAAAAAA/AAAAAAAAAKCGAQAAAAAAAAAAAAAAAAAMAAAAAQAAAAAAAAAAAAAAAAAAAB8AAABUAAAAAAAABQAAAAEAAAAAAAAAAAAAAAAAAAAAAAAAAAAAAAAAAAAAAAAAAAAAAAJ/f38AAAAAA8zMzADAwP8Af39/AAAAAAAAAAAAAAAAAAAAAAAAAAAAIQAAABgAAAAUAAAAsw4AAIgdAACzOwAABCEAABAAAAAmAAAACAAAAIGAAAAAAAAA"/>
+                <pr:smNativeData xmlns:pr="smNativeData" xmlns="smNativeData" val="SMDATA_15_SSBGaRMAAAAlAAAAZAAAAA0AAAAAkAAAAEgAAACQAAAASAAAAAAAAAACAAAAAAAAAAEAAABQAAAAAAAAAAAA4D8AAAAAAADgPwAAAAAAAOA/AAAAAAAA4D8AAAAAAADgPwAAAAAAAOA/AAAAAAAA4D8AAAAAAADgPwAAAAAAAOA/AAAAAAAA4D8CAAAAjAAAAAAAAAAAAAAAu+DjDP///wgAAAAAAAAAAAAAAAAAAAAAAAAAAAAAAAAAAAAAZAAAAAEAAABAAAAAAAAAAAAAAAAAAAAAAAAAAAAAAAAAAAAAAAAAAAAAAAAAAAAAAAAAAAAAAAAAAAAAAAAAAAAAAAAAAAAAAAAAAAAAAAAAAAAAAAAAAAAAAAAAAAAAFAAAADwAAAAAAAAAAAAAAAAAAAkUAAAAAQAAABQAAAAUAAAAFAAAAAEAAAAAAAAAZAAAAGQAAAAAAAAAZAAAAGQAAAAVAAAAYAAAAAAAAAAAAAAADwAAACADAAAAAAAAAAAAAAEAAACgMgAAVgcAAKr4//8BAAAAf39/AAEAAABkAAAAAAAAABQAAABAHwAAAAAAACYAAAAAAAAAwOD//wAAAAAmAAAAZAAAABYAAABMAAAAAAAAAAAAAAAEAAAAAAAAAAEAAACAgIAKAAAAACgAAAAoAAAAZAAAAGQAAAAAAAAAzMzMAAAAAABQAAAAUAAAAGQAAABkAAAAAAAAABcAAAAUAAAAAAAAAAAAAAD/fwAA/38AAAAAAAAJAAAABAAAAAAAAAAeAAAAaAAAAAAAAAAAAAAAAAAAAAAAAAAAAAAAECcAABAnAAAAAAAAAAAAAAAAAAAAAAAAAAAAAAAAAAAAAAAAAAAAABQAAAAAAAAAwMD/AAAAAABkAAAAMgAAAAAAAABkAAAAAAAAAH9/fwAKAAAAIgAAABgAAAAAAAAAAAAAAAAAAAAAAAAAAAAAAAAAAAAkAAAAJAAAAAAAAAAHAAAAAAAAAAAAAAAAAAAAAAAAAAAAAAAAAAAAf39/ACUAAABYAAAAAAAAAAAAAAAAAAAAAAAAAAAAAAAAAAAAAAAAAAAAAAAAAAAAAAAAAAAAAAA/AAAAAAAAAKCGAQAAAAAAAAAAAAAAAAAMAAAAAQAAAAAAAAAAAAAAAAAAAB8AAABUAAAAAAAABQAAAAEAAAAAAAAAAAAAAAAAAAAAAAAAAAAAAAAAAAAAAAAAAAAAAAJ/f38AAAAAA8zMzADAwP8Af39/AAAAAAAAAAAAAAAAAAAAAAAAAAAAIQAAABgAAAAUAAAAsw4AAIgdAACzOwAABCEAABAAAAAmAAAACAAAAIGQAAAAAAAA"/>
               </a:ext>
             </a:extLst>
           </p:cNvSpPr>
@@ -2502,7 +2519,7 @@
           </a:xfrm>
         </p:spPr>
         <p:txBody>
-          <a:bodyPr vert="horz" wrap="square" numCol="1" spcCol="215900" anchor="b">
+          <a:bodyPr vert="horz" wrap="square" lIns="91440" tIns="45720" rIns="91440" bIns="45720" numCol="1" spcCol="215900" anchor="b">
             <a:prstTxWarp prst="textNoShape">
               <a:avLst/>
             </a:prstTxWarp>
@@ -2513,6 +2530,7 @@
             </a:lvl1pPr>
           </a:lstStyle>
           <a:p>
+            <a:pPr/>
             <a:r>
               <a:t>Click to edit Master title style</a:t>
             </a:r>
@@ -2526,7 +2544,7 @@
             <a:spLocks noGrp="1" noChangeArrowheads="1"/>
             <a:extLst>
               <a:ext uri="smNativeData">
-                <pr:smNativeData xmlns="smNativeData" xmlns:pr="smNativeData" xmlns:p15="http://schemas.microsoft.com/office/powerpoint/2012/main" xmlns:p14="http://schemas.microsoft.com/office/powerpoint/2010/main" xmlns:mc="http://schemas.openxmlformats.org/markup-compatibility/2006" val="SMDATA_15_wwJCaRMAAAAlAAAAZAAAAA8BAAAAkAAAAEgAAACQAAAASAAAAAAAAAAAAAAAAAAAAAEAAABQAAAAAAAAAAAA4D8AAAAAAADgPwAAAAAAAOA/AAAAAAAA4D8AAAAAAADgPwAAAAAAAOA/AAAAAAAA4D8AAAAAAADgPwAAAAAAAOA/AAAAAAAA4D8CAAAAjAAAAAAAAAAAAAAAu+DjDP///wgAAAAAAAAAAAAAAAAAAAAAAAAAAAAAAAAAAAAAZAAAAAEAAABAAAAAAAAAAAAAAAAAAAAAAAAAAAAAAAAAAAAAAAAAAAAAAAAAAAAAAAAAAAAAAAAAAAAAAAAAAAAAAAAAAAAAAAAAAAAAAAAAAAAAAAAAAAAAAAAAAAAAFAAAADwAAAAAAAAAAAAAAAAAAAkUAAAAAQAAABQAAAAUAAAAFAAAAAEAAAAAAAAAZAAAAGQAAAAAAAAAZAAAAGQAAAAVAAAAYAAAAAAAAAAAAAAADwAAACADAAAAAAAAAAAAAAEAAACgMgAAVgcAAKr4//8BAAAAf39/AAEAAABkAAAAAAAAABQAAABAHwAAAAAAACYAAAAAAAAAwOD//wAAAAAmAAAAZAAAABYAAABMAAAAAAAAAAAAAAAEAAAAAAAAAAEAAACAgIAKAAAAACgAAAAoAAAAZAAAAGQAAAAAAAAAzMzMAAAAAABQAAAAUAAAAGQAAABkAAAAAAAAABcAAAAUAAAAAAAAAAAAAAD/fwAA/38AAAAAAAAJAAAABAAAAAAAAAAeAAAAaAAAAAAAAAAAAAAAAAAAAAAAAAAAAAAAECcAABAnAAAAAAAAAAAAAAAAAAAAAAAAAAAAAAAAAAAAAAAAAAAAABQAAAAAAAAAwMD/AAAAAABkAAAAMgAAAAAAAABkAAAAAAAAAH9/fwAKAAAAIgAAABgAAAAAAAAAAAAAAAAAAAAAAAAAAAAAAAAAAAAkAAAAJAAAAAAAAAAHAAAAAAAAAAAAAAAAAAAAAAAAAAAAAAAAAAAAf39/ACUAAABYAAAAAAAAAAAAAAAAAAAAAAAAAAAAAAAAAAAAAAAAAAAAAAAAAAAAAAAAAAAAAAA/AAAAAAAAAKCGAQAAAAAAAAAAAAAAAAAMAAAAAQAAAAAAAAAAAAAAAAAAAB8AAABUAAAAAAAABQAAAAEAAAAAAAAAAAAAAAAAAAAAAAAAAAAAAAAAAAAAAAAAAAAAAAJ/f38AAAAAA8zMzADAwP8Af39/AAAAAAAAAAAAAAAAAAAAAAAAAAAAIQAAABgAAAAUAAAAsw4AAMYDAACzOwAAFh0AABAAAAAmAAAACAAAAAGAAAAAAAAA"/>
+                <pr:smNativeData xmlns:pr="smNativeData" xmlns="smNativeData" val="SMDATA_15_SSBGaRMAAAAlAAAAZAAAAA0AAAAAkAAAAEgAAACQAAAASAAAAAAAAAAAAAAAAAAAAAEAAABQAAAAAAAAAAAA4D8AAAAAAADgPwAAAAAAAOA/AAAAAAAA4D8AAAAAAADgPwAAAAAAAOA/AAAAAAAA4D8AAAAAAADgPwAAAAAAAOA/AAAAAAAA4D8CAAAAjAAAAAAAAAAAAAAAu+DjDP///wgAAAAAAAAAAAAAAAAAAAAAAAAAAAAAAAAAAAAAZAAAAAEAAABAAAAAAAAAAAAAAAAAAAAAAAAAAAAAAAAAAAAAAAAAAAAAAAAAAAAAAAAAAAAAAAAAAAAAAAAAAAAAAAAAAAAAAAAAAAAAAAAAAAAAAAAAAAAAAAAAAAAAFAAAADwAAAAAAAAAAAAAAAAAAAkUAAAAAQAAABQAAAAUAAAAFAAAAAEAAAAAAAAAZAAAAGQAAAAAAAAAZAAAAGQAAAAVAAAAYAAAAAAAAAAAAAAADwAAACADAAAAAAAAAAAAAAEAAACgMgAAVgcAAKr4//8BAAAAf39/AAEAAABkAAAAAAAAABQAAABAHwAAAAAAACYAAAAAAAAAwOD//wAAAAAmAAAAZAAAABYAAABMAAAAAAAAAAAAAAAEAAAAAAAAAAEAAACAgIAKAAAAACgAAAAoAAAAZAAAAGQAAAAAAAAAzMzMAAAAAABQAAAAUAAAAGQAAABkAAAAAAAAABcAAAAUAAAAAAAAAAAAAAD/fwAA/38AAAAAAAAJAAAABAAAAAAAAAAeAAAAaAAAAAAAAAAAAAAAAAAAAAAAAAAAAAAAECcAABAnAAAAAAAAAAAAAAAAAAAAAAAAAAAAAAAAAAAAAAAAAAAAABQAAAAAAAAAwMD/AAAAAABkAAAAMgAAAAAAAABkAAAAAAAAAH9/fwAKAAAAIgAAABgAAAAAAAAAAAAAAAAAAAAAAAAAAAAAAAAAAAAkAAAAJAAAAAAAAAAHAAAAAAAAAAAAAAAAAAAAAAAAAAAAAAAAAAAAf39/ACUAAABYAAAAAAAAAAAAAAAAAAAAAAAAAAAAAAAAAAAAAAAAAAAAAAAAAAAAAAAAAAAAAAA/AAAAAAAAAKCGAQAAAAAAAAAAAAAAAAAMAAAAAQAAAAAAAAAAAAAAAAAAAB8AAABUAAAAAAAABQAAAAEAAAAAAAAAAAAAAAAAAAAAAAAAAAAAAAAAAAAAAAAAAAAAAAJ/f38AAAAAA8zMzADAwP8Af39/AAAAAAAAAAAAAAAAAAAAAAAAAAAAIQAAABgAAAAUAAAAsw4AAMYDAACzOwAAFh0AABAAAAAmAAAACAAAAAGAAAAAAAAA"/>
               </a:ext>
             </a:extLst>
           </p:cNvSpPr>
@@ -2581,6 +2599,7 @@
             </a:lvl9pPr>
           </a:lstStyle>
           <a:p>
+            <a:pPr/>
             <a:r>
               <a:t>Click to edit Master text styles</a:t>
             </a:r>
@@ -2594,7 +2613,7 @@
             <a:spLocks noGrp="1" noChangeArrowheads="1"/>
             <a:extLst>
               <a:ext uri="smNativeData">
-                <pr:smNativeData xmlns="smNativeData" xmlns:pr="smNativeData" xmlns:p15="http://schemas.microsoft.com/office/powerpoint/2012/main" xmlns:p14="http://schemas.microsoft.com/office/powerpoint/2010/main" xmlns:mc="http://schemas.openxmlformats.org/markup-compatibility/2006" val="SMDATA_15_wwJCaRMAAAAlAAAAZAAAAA8BAAAAkAAAAEgAAACQAAAASAAAAAAAAAAAAAAAAAAAAAEAAABQAAAAAAAAAAAA4D8AAAAAAADgPwAAAAAAAOA/AAAAAAAA4D8AAAAAAADgPwAAAAAAAOA/AAAAAAAA4D8AAAAAAADgPwAAAAAAAOA/AAAAAAAA4D8CAAAAjAAAAAAAAAAAAAAAu+DjDP///wgAAAAAAAAAAAAAAAAAAAAAAAAAAAAAAAAAAAAAZAAAAAEAAABAAAAAAAAAAAAAAAAAAAAAAAAAAAAAAAAAAAAAAAAAAAAAAAAAAAAAAAAAAAAAAAAAAAAAAAAAAAAAAAAAAAAAAAAAAAAAAAAAAAAAAAAAAAAAAAAAAAAAFAAAADwAAAAAAAAAAAAAAAAAAAkUAAAAAQAAABQAAAAUAAAAFAAAAAEAAAAAAAAAZAAAAGQAAAAAAAAAZAAAAGQAAAAVAAAAYAAAAAAAAAAAAAAADwAAACADAAAAAAAAAAAAAAEAAACgMgAAVgcAAKr4//8BAAAAf39/AAEAAABkAAAAAAAAABQAAABAHwAAAAAAACYAAAAAAAAAwOD//wAAAAAmAAAAZAAAABYAAABMAAAAAAAAAAAAAAAEAAAAAAAAAAEAAACAgIAKAAAAACgAAAAoAAAAZAAAAGQAAAAAAAAAzMzMAAAAAABQAAAAUAAAAGQAAABkAAAAAAAAABcAAAAUAAAAAAAAAAAAAAD/fwAA/38AAAAAAAAJAAAABAAAAAAAAAAeAAAAaAAAAAAAAAAAAAAAAAAAAAAAAAAAAAAAECcAABAnAAAAAAAAAAAAAAAAAAAAAAAAAAAAAAAAAAAAAAAAAAAAABQAAAAAAAAAwMD/AAAAAABkAAAAMgAAAAAAAABkAAAAAAAAAH9/fwAKAAAAIgAAABgAAAAAAAAAAAAAAAAAAAAAAAAAAAAAAAAAAAAkAAAAJAAAAAAAAAAHAAAAAAAAAAAAAAAAAAAAAAAAAAAAAAAAAAAAf39/ACUAAABYAAAAAAAAAAAAAAAAAAAAAAAAAAAAAAAAAAAAAAAAAAAAAAAAAAAAAAAAAAAAAAA/AAAAAAAAAKCGAQAAAAAAAAAAAAAAAAAMAAAAAQAAAAAAAAAAAAAAAAAAAB8AAABUAAAAAAAABQAAAAEAAAAAAAAAAAAAAAAAAAAAAAAAAAAAAAAAAAAAAAAAAAAAAAJ/f38AAAAAA8zMzADAwP8Af39/AAAAAAAAAAAAAAAAAAAAAAAAAAAAIQAAABgAAAAUAAAAsw4AAAQhAACzOwAA+CUAABAAAAAmAAAACAAAAAGAAAAAAAAA"/>
+                <pr:smNativeData xmlns:pr="smNativeData" xmlns="smNativeData" val="SMDATA_15_SSBGaRMAAAAlAAAAZAAAAA0AAAAAkAAAAEgAAACQAAAASAAAAAAAAAAAAAAAAAAAAAEAAABQAAAAAAAAAAAA4D8AAAAAAADgPwAAAAAAAOA/AAAAAAAA4D8AAAAAAADgPwAAAAAAAOA/AAAAAAAA4D8AAAAAAADgPwAAAAAAAOA/AAAAAAAA4D8CAAAAjAAAAAAAAAAAAAAAu+DjDP///wgAAAAAAAAAAAAAAAAAAAAAAAAAAAAAAAAAAAAAZAAAAAEAAABAAAAAAAAAAAAAAAAAAAAAAAAAAAAAAAAAAAAAAAAAAAAAAAAAAAAAAAAAAAAAAAAAAAAAAAAAAAAAAAAAAAAAAAAAAAAAAAAAAAAAAAAAAAAAAAAAAAAAFAAAADwAAAAAAAAAAAAAAAAAAAkUAAAAAQAAABQAAAAUAAAAFAAAAAEAAAAAAAAAZAAAAGQAAAAAAAAAZAAAAGQAAAAVAAAAYAAAAAAAAAAAAAAADwAAACADAAAAAAAAAAAAAAEAAACgMgAAVgcAAKr4//8BAAAAf39/AAEAAABkAAAAAAAAABQAAABAHwAAAAAAACYAAAAAAAAAwOD//wAAAAAmAAAAZAAAABYAAABMAAAAAAAAAAAAAAAEAAAAAAAAAAEAAACAgIAKAAAAACgAAAAoAAAAZAAAAGQAAAAAAAAAzMzMAAAAAABQAAAAUAAAAGQAAABkAAAAAAAAABcAAAAUAAAAAAAAAAAAAAD/fwAA/38AAAAAAAAJAAAABAAAAAAAAAAeAAAAaAAAAAAAAAAAAAAAAAAAAAAAAAAAAAAAECcAABAnAAAAAAAAAAAAAAAAAAAAAAAAAAAAAAAAAAAAAAAAAAAAABQAAAAAAAAAwMD/AAAAAABkAAAAMgAAAAAAAABkAAAAAAAAAH9/fwAKAAAAIgAAABgAAAAAAAAAAAAAAAAAAAAAAAAAAAAAAAAAAAAkAAAAJAAAAAAAAAAHAAAAAAAAAAAAAAAAAAAAAAAAAAAAAAAAAAAAf39/ACUAAABYAAAAAAAAAAAAAAAAAAAAAAAAAAAAAAAAAAAAAAAAAAAAAAAAAAAAAAAAAAAAAAA/AAAAAAAAAKCGAQAAAAAAAAAAAAAAAAAMAAAAAQAAAAAAAAAAAAAAAAAAAB8AAABUAAAAAAAABQAAAAEAAAAAAAAAAAAAAAAAAAAAAAAAAAAAAAAAAAAAAAAAAAAAAAJ/f38AAAAAA8zMzADAwP8Af39/AAAAAAAAAAAAAAAAAAAAAAAAAAAAIQAAABgAAAAUAAAAsw4AAAQhAACzOwAA+CUAABAAAAAmAAAACAAAAAGAAAAAAAAA"/>
               </a:ext>
             </a:extLst>
           </p:cNvSpPr>
@@ -2649,6 +2668,7 @@
             </a:lvl9pPr>
           </a:lstStyle>
           <a:p>
+            <a:pPr/>
             <a:r>
               <a:t>Click to edit Master text styles</a:t>
             </a:r>
@@ -2662,7 +2682,7 @@
             <a:spLocks noGrp="1" noChangeArrowheads="1"/>
             <a:extLst>
               <a:ext uri="smNativeData">
-                <pr:smNativeData xmlns="smNativeData" xmlns:pr="smNativeData" xmlns:p15="http://schemas.microsoft.com/office/powerpoint/2012/main" xmlns:p14="http://schemas.microsoft.com/office/powerpoint/2010/main" xmlns:mc="http://schemas.openxmlformats.org/markup-compatibility/2006" val="SMDATA_15_wwJCaRMAAAAlAAAAZAAAAA8BAAAAkAAAAEgAAACQAAAASAAAAAAAAAABAAAAAAAAAAEAAABQAAAAAAAAAAAA4D8AAAAAAADgPwAAAAAAAOA/AAAAAAAA4D8AAAAAAADgPwAAAAAAAOA/AAAAAAAA4D8AAAAAAADgPwAAAAAAAOA/AAAAAAAA4D8CAAAAjAAAAAAAAAAAAAAAu+DjDP///wgAAAAAAAAAAAAAAAAAAAAAAAAAAAAAAAAAAAAAZAAAAAEAAABAAAAAAAAAAAAAAAAAAAAAAAAAAAAAAAAAAAAAAAAAAAAAAAAAAAAAAAAAAAAAAAAAAAAAAAAAAAAAAAAAAAAAAAAAAAAAAAAAAAAAAAAAAAAAAAAAAAAAFAAAADwAAAAAAAAAAAAAAAAAAAkUAAAAAQAAABQAAAAUAAAAFAAAAAEAAAAAAAAAZAAAAGQAAAAAAAAAZAAAAGQAAAAVAAAAYAAAAAAAAAAAAAAADwAAACADAAAAAAAAAAAAAAEAAACgMgAAVgcAAKr4//8BAAAAf39/AAEAAABkAAAAAAAAABQAAABAHwAAAAAAACYAAAAAAAAAwOD//wAAAAAmAAAAZAAAABYAAABMAAAAAAAAAAAAAAAEAAAAAAAAAAEAAACAgIAKAAAAACgAAAAoAAAAZAAAAGQAAAAAAAAAzMzMAAAAAABQAAAAUAAAAGQAAABkAAAAAAAAABcAAAAUAAAAAAAAAAAAAAD/fwAA/38AAAAAAAAJAAAABAAAAAAAAAAeAAAAaAAAAAAAAAAAAAAAAAAAAAAAAAAAAAAAECcAABAnAAAAAAAAAAAAAAAAAAAAAAAAAAAAAAAAAAAAAAAAAAAAABQAAAAAAAAAwMD/AAAAAABkAAAAMgAAAAAAAABkAAAAAAAAAH9/fwAKAAAAIgAAABgAAAAAAAAAAAAAAAAAAAAAAAAAAAAAAAAAAAAkAAAAJAAAAAAAAAAHAAAAAAAAAAAAAAAAAAAAAAAAAAAAAAAAAAAAf39/ACUAAABYAAAAAAAAAAAAAAAAAAAAAAAAAAAAAAAAAAAAAAAAAAAAAAAAAAAAAAAAAAAAAAA/AAAAAAAAAKCGAQAAAAAAAAAAAAAAAAAMAAAAAQAAAAAAAAAAAAAAAAAAAB8AAABUAAAAAAAABQAAAAEAAAAAAAAAAAAAAAAAAAAAAAAAAAAAAAAAAAAAAAAAAAAAAAJ/f38AAAAAA8zMzADAwP8Af39/AAAAAAAAAAAAAAAAAAAAAAAAAAAAIQAAABgAAAAUAAAAwAMAABsnAAA/FQAAWSkAABAAAAAmAAAACAAAAAAAAAAAAAAA"/>
+                <pr:smNativeData xmlns:pr="smNativeData" xmlns="smNativeData" val="SMDATA_15_SSBGaRMAAAAlAAAAZAAAAA0AAAAAkAAAAEgAAACQAAAASAAAAAAAAAABAAAAAAAAAAEAAABQAAAAAAAAAAAA4D8AAAAAAADgPwAAAAAAAOA/AAAAAAAA4D8AAAAAAADgPwAAAAAAAOA/AAAAAAAA4D8AAAAAAADgPwAAAAAAAOA/AAAAAAAA4D8CAAAAjAAAAAAAAAAAAAAAu+DjDP///wgAAAAAAAAAAAAAAAAAAAAAAAAAAAAAAAAAAAAAZAAAAAEAAABAAAAAAAAAAAAAAAAAAAAAAAAAAAAAAAAAAAAAAAAAAAAAAAAAAAAAAAAAAAAAAAAAAAAAAAAAAAAAAAAAAAAAAAAAAAAAAAAAAAAAAAAAAAAAAAAAAAAAFAAAADwAAAAAAAAAAAAAAAAAAAkUAAAAAQAAABQAAAAUAAAAFAAAAAEAAAAAAAAAZAAAAGQAAAAAAAAAZAAAAGQAAAAVAAAAYAAAAAAAAAAAAAAADwAAACADAAAAAAAAAAAAAAEAAACgMgAAVgcAAKr4//8BAAAAf39/AAEAAABkAAAAAAAAABQAAABAHwAAAAAAACYAAAAAAAAAwOD//wAAAAAmAAAAZAAAABYAAABMAAAAAAAAAAAAAAAEAAAAAAAAAAEAAACAgIAKAAAAACgAAAAoAAAAZAAAAGQAAAAAAAAAzMzMAAAAAABQAAAAUAAAAGQAAABkAAAAAAAAABcAAAAUAAAAAAAAAAAAAAD/fwAA/38AAAAAAAAJAAAABAAAAAAAAAAeAAAAaAAAAAAAAAAAAAAAAAAAAAAAAAAAAAAAECcAABAnAAAAAAAAAAAAAAAAAAAAAAAAAAAAAAAAAAAAAAAAAAAAABQAAAAAAAAAwMD/AAAAAABkAAAAMgAAAAAAAABkAAAAAAAAAH9/fwAKAAAAIgAAABgAAAAAAAAAAAAAAAAAAAAAAAAAAAAAAAAAAAAkAAAAJAAAAAAAAAAHAAAAAAAAAAAAAAAAAAAAAAAAAAAAAAAAAAAAf39/ACUAAABYAAAAAAAAAAAAAAAAAAAAAAAAAAAAAAAAAAAAAAAAAAAAAAAAAAAAAAAAAAAAAAA/AAAAAAAAAKCGAQAAAAAAAAAAAAAAAAAMAAAAAQAAAAAAAAAAAAAAAAAAAB8AAABUAAAAAAAABQAAAAEAAAAAAAAAAAAAAAAAAAAAAAAAAAAAAAAAAAAAAAAAAAAAAAJ/f38AAAAAA8zMzADAwP8Af39/AAAAAAAAAAAAAAAAAAAAAAAAAAAAIQAAABgAAAAUAAAAwAMAABsnAAA/FQAAWSkAABAAAAAmAAAACAAAAAAAAAAAAAAA"/>
               </a:ext>
             </a:extLst>
           </p:cNvSpPr>
@@ -2675,10 +2695,10 @@
           <a:bodyPr/>
           <a:lstStyle/>
           <a:p>
-            <a:fld id="{2B3A0DEB-A5C6-6FFB-8882-53AE43CC7E06}" type="datetime1">
+            <a:pPr/>
+            <a:fld id="{1B0EFF5E-10F6-5B09-B8B6-E65CB1F84EB3}" type="datetime1">
               <a:t>12/16/2025</a:t>
             </a:fld>
-            <a:endParaRPr/>
           </a:p>
         </p:txBody>
       </p:sp>
@@ -2689,7 +2709,7 @@
             <a:spLocks noGrp="1" noChangeArrowheads="1"/>
             <a:extLst>
               <a:ext uri="smNativeData">
-                <pr:smNativeData xmlns="smNativeData" xmlns:pr="smNativeData" xmlns:p15="http://schemas.microsoft.com/office/powerpoint/2012/main" xmlns:p14="http://schemas.microsoft.com/office/powerpoint/2010/main" xmlns:mc="http://schemas.openxmlformats.org/markup-compatibility/2006" val="SMDATA_15_wwJCaRMAAAAlAAAAZAAAAA8BAAAAkAAAAEgAAACQAAAASAAAAAAAAAABAAAAAAAAAAEAAABQAAAAAAAAAAAA4D8AAAAAAADgPwAAAAAAAOA/AAAAAAAA4D8AAAAAAADgPwAAAAAAAOA/AAAAAAAA4D8AAAAAAADgPwAAAAAAAOA/AAAAAAAA4D8CAAAAjAAAAAAAAAAAAAAAu+DjDP///wgAAAAAAAAAAAAAAAAAAAAAAAAAAAAAAAAAAAAAZAAAAAEAAABAAAAAAAAAAAAAAAAAAAAAAAAAAAAAAAAAAAAAAAAAAAAAAAAAAAAAAAAAAAAAAAAAAAAAAAAAAAAAAAAAAAAAAAAAAAAAAAAAAAAAAAAAAAAAAAAAAAAAFAAAADwAAAAAAAAAAAAAAAAAAAkUAAAAAQAAABQAAAAUAAAAFAAAAAEAAAAAAAAAZAAAAGQAAAAAAAAAZAAAAGQAAAAVAAAAYAAAAAAAAAAAAAAADwAAACADAAAAAAAAAAAAAAEAAACgMgAAVgcAAKr4//8BAAAAf39/AAEAAABkAAAAAAAAABQAAABAHwAAAAAAACYAAAAAAAAAwOD//wAAAAAmAAAAZAAAABYAAABMAAAAAAAAAAAAAAAEAAAAAAAAAAEAAACAgIAKAAAAACgAAAAoAAAAZAAAAGQAAAAAAAAAzMzMAAAAAABQAAAAUAAAAGQAAABkAAAAAAAAABcAAAAUAAAAAAAAAAAAAAD/fwAA/38AAAAAAAAJAAAABAAAAAAAAAAeAAAAaAAAAAAAAAAAAAAAAAAAAAAAAAAAAAAAECcAABAnAAAAAAAAAAAAAAAAAAAAAAAAAAAAAAAAAAAAAAAAAAAAABQAAAAAAAAAwMD/AAAAAABkAAAAMgAAAAAAAABkAAAAAAAAAH9/fwAKAAAAIgAAABgAAAAAAAAAAAAAAAAAAAAAAAAAAAAAAAAAAAAkAAAAJAAAAAAAAAAHAAAAAAAAAAAAAAAAAAAAAAAAAAAAAAAAAAAAf39/ACUAAABYAAAAAAAAAAAAAAAAAAAAAAAAAAAAAAAAAAAAAAAAAAAAAAAAAAAAAAAAAAAAAAA/AAAAAAAAAKCGAQAAAAAAAAAAAAAAAAAMAAAAAQAAAAAAAAAAAAAAAAAAAB8AAABUAAAAAAAABQAAAAEAAAAAAAAAAAAAAAAAAAAAAAAAAAAAAAAAAAAAAAAAAAAAAAJ/f38AAAAAA8zMzADAwP8Af39/AAAAAAAAAAAAAAAAAAAAAAAAAAAAIQAAABgAAAAUAAAAoRkAABsnAABfMQAAWSkAABAAAAAmAAAACAAAAAAAAAAAAAAA"/>
+                <pr:smNativeData xmlns:pr="smNativeData" xmlns="smNativeData" val="SMDATA_15_SSBGaRMAAAAlAAAAZAAAAA0AAAAAkAAAAEgAAACQAAAASAAAAAAAAAABAAAAAAAAAAEAAABQAAAAAAAAAAAA4D8AAAAAAADgPwAAAAAAAOA/AAAAAAAA4D8AAAAAAADgPwAAAAAAAOA/AAAAAAAA4D8AAAAAAADgPwAAAAAAAOA/AAAAAAAA4D8CAAAAjAAAAAAAAAAAAAAAu+DjDP///wgAAAAAAAAAAAAAAAAAAAAAAAAAAAAAAAAAAAAAZAAAAAEAAABAAAAAAAAAAAAAAAAAAAAAAAAAAAAAAAAAAAAAAAAAAAAAAAAAAAAAAAAAAAAAAAAAAAAAAAAAAAAAAAAAAAAAAAAAAAAAAAAAAAAAAAAAAAAAAAAAAAAAFAAAADwAAAAAAAAAAAAAAAAAAAkUAAAAAQAAABQAAAAUAAAAFAAAAAEAAAAAAAAAZAAAAGQAAAAAAAAAZAAAAGQAAAAVAAAAYAAAAAAAAAAAAAAADwAAACADAAAAAAAAAAAAAAEAAACgMgAAVgcAAKr4//8BAAAAf39/AAEAAABkAAAAAAAAABQAAABAHwAAAAAAACYAAAAAAAAAwOD//wAAAAAmAAAAZAAAABYAAABMAAAAAAAAAAAAAAAEAAAAAAAAAAEAAACAgIAKAAAAACgAAAAoAAAAZAAAAGQAAAAAAAAAzMzMAAAAAABQAAAAUAAAAGQAAABkAAAAAAAAABcAAAAUAAAAAAAAAAAAAAD/fwAA/38AAAAAAAAJAAAABAAAAAAAAAAeAAAAaAAAAAAAAAAAAAAAAAAAAAAAAAAAAAAAECcAABAnAAAAAAAAAAAAAAAAAAAAAAAAAAAAAAAAAAAAAAAAAAAAABQAAAAAAAAAwMD/AAAAAABkAAAAMgAAAAAAAABkAAAAAAAAAH9/fwAKAAAAIgAAABgAAAAAAAAAAAAAAAAAAAAAAAAAAAAAAAAAAAAkAAAAJAAAAAAAAAAHAAAAAAAAAAAAAAAAAAAAAAAAAAAAAAAAAAAAf39/ACUAAABYAAAAAAAAAAAAAAAAAAAAAAAAAAAAAAAAAAAAAAAAAAAAAAAAAAAAAAAAAAAAAAA/AAAAAAAAAKCGAQAAAAAAAAAAAAAAAAAMAAAAAQAAAAAAAAAAAAAAAAAAAB8AAABUAAAAAAAABQAAAAEAAAAAAAAAAAAAAAAAAAAAAAAAAAAAAAAAAAAAAAAAAAAAAAJ/f38AAAAAA8zMzADAwP8Af39/AAAAAAAAAAAAAAAAAAAAAAAAAAAAIQAAABgAAAAUAAAAoRkAABsnAABfMQAAWSkAABAAAAAmAAAACAAAAAAAAAAAAAAA"/>
               </a:ext>
             </a:extLst>
           </p:cNvSpPr>
@@ -2702,7 +2722,7 @@
           <a:bodyPr/>
           <a:lstStyle/>
           <a:p>
-            <a:endParaRPr/>
+            <a:pPr/>
           </a:p>
         </p:txBody>
       </p:sp>
@@ -2713,7 +2733,7 @@
             <a:spLocks noGrp="1" noChangeArrowheads="1"/>
             <a:extLst>
               <a:ext uri="smNativeData">
-                <pr:smNativeData xmlns="smNativeData" xmlns:pr="smNativeData" xmlns:p15="http://schemas.microsoft.com/office/powerpoint/2012/main" xmlns:p14="http://schemas.microsoft.com/office/powerpoint/2010/main" xmlns:mc="http://schemas.openxmlformats.org/markup-compatibility/2006" val="SMDATA_15_wwJCaRMAAAAlAAAAZAAAAA8BAAAAkAAAAEgAAACQAAAASAAAAAAAAAABAAAAAAAAAAEAAABQAAAAAAAAAAAA4D8AAAAAAADgPwAAAAAAAOA/AAAAAAAA4D8AAAAAAADgPwAAAAAAAOA/AAAAAAAA4D8AAAAAAADgPwAAAAAAAOA/AAAAAAAA4D8CAAAAjAAAAAAAAAAAAAAAu+DjDP///wgAAAAAAAAAAAAAAAAAAAAAAAAAAAAAAAAAAAAAZAAAAAEAAABAAAAAAAAAAAAAAAAAAAAAAAAAAAAAAAAAAAAAAAAAAAAAAAAAAAAAAAAAAAAAAAAAAAAAAAAAAAAAAAAAAAAAAAAAAAAAAAAAAAAAAAAAAAAAAAAAAAAAFAAAADwAAAAAAAAAAAAAAAAAAAkUAAAAAQAAABQAAAAUAAAAFAAAAAEAAAAAAAAAZAAAAGQAAAAAAAAAZAAAAGQAAAAVAAAAYAAAAAAAAAAAAAAADwAAACADAAAAAAAAAAAAAAEAAACgMgAAVgcAAKr4//8BAAAAf39/AAEAAABkAAAAAAAAABQAAABAHwAAAAAAACYAAAAAAAAAwOD//wAAAAAmAAAAZAAAABYAAABMAAAAAAAAAAAAAAAEAAAAAAAAAAEAAACAgIAKAAAAACgAAAAoAAAAZAAAAGQAAAAAAAAAzMzMAAAAAABQAAAAUAAAAGQAAABkAAAAAAAAABcAAAAUAAAAAAAAAAAAAAD/fwAA/38AAAAAAAAJAAAABAAAAAAAAAAeAAAAaAAAAAAAAAAAAAAAAAAAAAAAAAAAAAAAECcAABAnAAAAAAAAAAAAAAAAAAAAAAAAAAAAAAAAAAAAAAAAAAAAABQAAAAAAAAAwMD/AAAAAABkAAAAMgAAAAAAAABkAAAAAAAAAH9/fwAKAAAAIgAAABgAAAAAAAAAAAAAAAAAAAAAAAAAAAAAAAAAAAAkAAAAJAAAAAAAAAAHAAAAAAAAAAAAAAAAAAAAAAAAAAAAAAAAAAAAf39/ACUAAABYAAAAAAAAAAAAAAAAAAAAAAAAAAAAAAAAAAAAAAAAAAAAAAAAAAAAAAAAAAAAAAA/AAAAAAAAAKCGAQAAAAAAAAAAAAAAAAAMAAAAAQAAAAAAAAAAAAAAAAAAAB8AAABUAAAAAAAABQAAAAEAAAAAAAAAAAAAAAAAAAAAAAAAAAAAAAAAAAAAAAAAAAAAAAJ/f38AAAAAA8zMzADAwP8Af39/AAAAAAAAAAAAAAAAAAAAAAAAAAAAIQAAABgAAAAUAAAAwTUAABsnAABARwAAWSkAABAAAAAmAAAACAAAAAAAAAAAAAAA"/>
+                <pr:smNativeData xmlns:pr="smNativeData" xmlns="smNativeData" val="SMDATA_15_SSBGaRMAAAAlAAAAZAAAAA0AAAAAkAAAAEgAAACQAAAASAAAAAAAAAABAAAAAAAAAAEAAABQAAAAAAAAAAAA4D8AAAAAAADgPwAAAAAAAOA/AAAAAAAA4D8AAAAAAADgPwAAAAAAAOA/AAAAAAAA4D8AAAAAAADgPwAAAAAAAOA/AAAAAAAA4D8CAAAAjAAAAAAAAAAAAAAAu+DjDP///wgAAAAAAAAAAAAAAAAAAAAAAAAAAAAAAAAAAAAAZAAAAAEAAABAAAAAAAAAAAAAAAAAAAAAAAAAAAAAAAAAAAAAAAAAAAAAAAAAAAAAAAAAAAAAAAAAAAAAAAAAAAAAAAAAAAAAAAAAAAAAAAAAAAAAAAAAAAAAAAAAAAAAFAAAADwAAAAAAAAAAAAAAAAAAAkUAAAAAQAAABQAAAAUAAAAFAAAAAEAAAAAAAAAZAAAAGQAAAAAAAAAZAAAAGQAAAAVAAAAYAAAAAAAAAAAAAAADwAAACADAAAAAAAAAAAAAAEAAACgMgAAVgcAAKr4//8BAAAAf39/AAEAAABkAAAAAAAAABQAAABAHwAAAAAAACYAAAAAAAAAwOD//wAAAAAmAAAAZAAAABYAAABMAAAAAAAAAAAAAAAEAAAAAAAAAAEAAACAgIAKAAAAACgAAAAoAAAAZAAAAGQAAAAAAAAAzMzMAAAAAABQAAAAUAAAAGQAAABkAAAAAAAAABcAAAAUAAAAAAAAAAAAAAD/fwAA/38AAAAAAAAJAAAABAAAAAAAAAAeAAAAaAAAAAAAAAAAAAAAAAAAAAAAAAAAAAAAECcAABAnAAAAAAAAAAAAAAAAAAAAAAAAAAAAAAAAAAAAAAAAAAAAABQAAAAAAAAAwMD/AAAAAABkAAAAMgAAAAAAAABkAAAAAAAAAH9/fwAKAAAAIgAAABgAAAAAAAAAAAAAAAAAAAAAAAAAAAAAAAAAAAAkAAAAJAAAAAAAAAAHAAAAAAAAAAAAAAAAAAAAAAAAAAAAAAAAAAAAf39/ACUAAABYAAAAAAAAAAAAAAAAAAAAAAAAAAAAAAAAAAAAAAAAAAAAAAAAAAAAAAAAAAAAAAA/AAAAAAAAAKCGAQAAAAAAAAAAAAAAAAAMAAAAAQAAAAAAAAAAAAAAAAAAAB8AAABUAAAAAAAABQAAAAEAAAAAAAAAAAAAAAAAAAAAAAAAAAAAAAAAAAAAAAAAAAAAAAJ/f38AAAAAA8zMzADAwP8Af39/AAAAAAAAAAAAAAAAAAAAAAAAAAAAIQAAABgAAAAUAAAAwTUAABsnAABARwAAWSkAABAAAAAmAAAACAAAAAAAAAAAAAAA"/>
               </a:ext>
             </a:extLst>
           </p:cNvSpPr>
@@ -2726,10 +2746,10 @@
           <a:bodyPr/>
           <a:lstStyle/>
           <a:p>
-            <a:fld id="{2B3A3DAB-E5C6-6FCB-8882-139E73CC7E46}" type="slidenum">
+            <a:pPr/>
+            <a:fld id="{1B0EF3A0-EEF6-5B05-B8B6-1850BDF84E4D}" type="slidenum">
               <a:t>‹#›</a:t>
             </a:fld>
-            <a:endParaRPr/>
           </a:p>
         </p:txBody>
       </p:sp>
@@ -2743,7 +2763,7 @@
 </file>
 
 <file path=ppt/slideMasters/slideMaster1.xml><?xml version="1.0" encoding="utf-8"?>
-<p:sldMaster xmlns:a="http://schemas.openxmlformats.org/drawingml/2006/main" xmlns:r="http://schemas.openxmlformats.org/officeDocument/2006/relationships" xmlns:p="http://schemas.openxmlformats.org/presentationml/2006/main">
+<p:sldMaster xmlns:p="http://schemas.openxmlformats.org/presentationml/2006/main" xmlns:mc="http://schemas.openxmlformats.org/markup-compatibility/2006" xmlns:p14="http://schemas.microsoft.com/office/powerpoint/2010/main" xmlns:p15="http://schemas.microsoft.com/office/powerpoint/2012/main" xmlns:r="http://schemas.openxmlformats.org/officeDocument/2006/relationships" xmlns:a="http://schemas.openxmlformats.org/drawingml/2006/main">
   <p:cSld name="Default design">
     <p:bg>
       <p:bgPr>
@@ -2774,7 +2794,7 @@
             <a:spLocks noGrp="1" noChangeArrowheads="1"/>
             <a:extLst>
               <a:ext uri="smNativeData">
-                <pr:smNativeData xmlns="smNativeData" xmlns:pr="smNativeData" xmlns:p15="http://schemas.microsoft.com/office/powerpoint/2012/main" xmlns:p14="http://schemas.microsoft.com/office/powerpoint/2010/main" xmlns:mc="http://schemas.openxmlformats.org/markup-compatibility/2006" val="SMDATA_15_wwJCaRMAAAAlAAAAZAAAAA8BAAAAkAAAAEgAAACQAAAASAAAAAAAAAABAAAAAAAAAAEAAABQAAAAAAAAAAAA4D8AAAAAAADgPwAAAAAAAOA/AAAAAAAA4D8AAAAAAADgPwAAAAAAAOA/AAAAAAAA4D8AAAAAAADgPwAAAAAAAOA/AAAAAAAA4D8CAAAAjAAAAAAAAAAAAAAAu+DjDP///wgAAAAAAAAAAAAAAAAAAAAAAAAAAAAAAAAAAAAAZAAAAAEAAABAAAAAAAAAAAAAAAAAAAAAAAAAAAAAAAAAAAAAAAAAAAAAAAAAAAAAAAAAAAAAAAAAAAAAAAAAAAAAAAAAAAAAAAAAAAAAAAAAAAAAAAAAAAAAAAAAAAAAFAAAADwAAAAAAAAAAAAAAAAAAAkUAAAAAQAAABQAAAAUAAAAFAAAAAEAAAAAAAAAZAAAAGQAAAAAAAAAZAAAAGQAAAAVAAAAYAAAAAAAAAAAAAAADwAAACADAAAAAAAAAAAAAAEAAACgMgAAVgcAAKr4//8BAAAAf39/AAEAAABkAAAAAAAAABQAAABAHwAAAAAAACYAAAAAAAAAwOD//wAAAAAmAAAAZAAAABYAAABMAAAAAAAAAAAAAAAEAAAAAAAAAAEAAACAgIAKAAAAACgAAAAoAAAAZAAAAGQAAAAAAAAAzMzMAAAAAABQAAAAUAAAAGQAAABkAAAAAAAAABcAAAAUAAAAAAAAAAAAAAD/fwAA/38AAAAAAAAJAAAABAAAAHsAfAAeAAAAaAAAAAAAAAAAAAAAAAAAAAAAAAAAAAAAECcAABAnAAAAAAAAAAAAAAAAAAAAAAAAAAAAAAAAAAAAAAAAAAAAABQAAAAAAAAAwMD/AAAAAABkAAAAMgAAAAAAAABkAAAAAAAAAH9/fwAKAAAAIgAAABgAAAAAAAAAAAAAAAAAAAAAAAAAAAAAAAAAAAAkAAAAJAAAAAAAAAAHAAAAAAAAAAAAAAAAAAAAAAAAAAAAAAAAAAAAf39/ACUAAABYAAAAAAAAAAAAAAAAAAAAAAAAAAAAAAAAAAAAAAAAAAAAAAAAAAAAAAAAAAAAAAA/AAAAAAAAAKCGAQAAAAAAAAAAAAAAAAAMAAAAAQAAAAAAAAAAAAAAAAAAAB8AAABUAAAAAAAABQAAAAEAAAAAAAAAAAAAAAAAAAAAAAAAAAAAAAAAAAAAAAAAAAAAAAJ/f38AAAAAA8zMzADAwP8Af39/AAAAAAAAAAAAAAAAAAAAAAAAAAAAIQAAABgAAAAUAAAAwAMAALABAABARwAAuAgAABAAAAAmAAAACAAAAP//////////"/>
+                <pr:smNativeData xmlns:pr="smNativeData" xmlns="smNativeData" val="SMDATA_15_SSBGaRMAAAAlAAAAZAAAAA0AAAAAkAAAAEgAAACQAAAASAAAAAAAAAABAAAAAAAAAAEAAABQAAAAAAAAAAAA4D8AAAAAAADgPwAAAAAAAOA/AAAAAAAA4D8AAAAAAADgPwAAAAAAAOA/AAAAAAAA4D8AAAAAAADgPwAAAAAAAOA/AAAAAAAA4D8CAAAAjAAAAAAAAAAAAAAAu+DjDP///wgAAAAAAAAAAAAAAAAAAAAAAAAAAAAAAAAAAAAAZAAAAAEAAABAAAAAAAAAAAAAAAAAAAAAAAAAAAAAAAAAAAAAAAAAAAAAAAAAAAAAAAAAAAAAAAAAAAAAAAAAAAAAAAAAAAAAAAAAAAAAAAAAAAAAAAAAAAAAAAAAAAAAFAAAADwAAAAAAAAAAAAAAAAAAAkUAAAAAQAAABQAAAAUAAAAFAAAAAEAAAAAAAAAZAAAAGQAAAAAAAAAZAAAAGQAAAAVAAAAYAAAAAAAAAAAAAAADwAAACADAAAAAAAAAAAAAAEAAACgMgAAVgcAAKr4//8BAAAAf39/AAEAAABkAAAAAAAAABQAAABAHwAAAAAAACYAAAAAAAAAwOD//wAAAAAmAAAAZAAAABYAAABMAAAAAAAAAAAAAAAEAAAAAAAAAAEAAACAgIAKAAAAACgAAAAoAAAAZAAAAGQAAAAAAAAAzMzMAAAAAABQAAAAUAAAAGQAAABkAAAAAAAAABcAAAAUAAAAAAAAAAAAAAD/fwAA/38AAAAAAAAJAAAABAAAAGxpY2keAAAAaAAAAAAAAAAAAAAAAAAAAAAAAAAAAAAAECcAABAnAAAAAAAAAAAAAAAAAAAAAAAAAAAAAAAAAAAAAAAAAAAAABQAAAAAAAAAwMD/AAAAAABkAAAAMgAAAAAAAABkAAAAAAAAAH9/fwAKAAAAIgAAABgAAAAAAAAAAAAAAAAAAAAAAAAAAAAAAAAAAAAkAAAAJAAAAAAAAAAHAAAAAAAAAAAAAAAAAAAAAAAAAAAAAAAAAAAAf39/ACUAAABYAAAAAAAAAAAAAAAAAAAAAAAAAAAAAAAAAAAAAAAAAAAAAAAAAAAAAAAAAAAAAAA/AAAAAAAAAKCGAQAAAAAAAAAAAAAAAAAMAAAAAQAAAAAAAAAAAAAAAAAAAB8AAABUAAAAAAAABQAAAAEAAAAAAAAAAAAAAAAAAAAAAAAAAAAAAAAAAAAAAAAAAAAAAAJ/f38AAAAAA8zMzADAwP8Af39/AAAAAAAAAAAAAAAAAAAAAAAAAAAAIQAAABgAAAAUAAAAwAMAALABAABARwAAuAgAABAAAAAmAAAACAAAAIMfAAD//8EB"/>
               </a:ext>
             </a:extLst>
           </p:cNvSpPr>
@@ -2797,13 +2817,14 @@
           <a:effectLst/>
         </p:spPr>
         <p:txBody>
-          <a:bodyPr vert="horz" wrap="square" numCol="1" spcCol="215900" anchor="ctr">
+          <a:bodyPr vert="horz" wrap="square" lIns="91440" tIns="45720" rIns="91440" bIns="45720" numCol="1" spcCol="215900" anchor="ctr">
             <a:prstTxWarp prst="textNoShape">
               <a:avLst/>
             </a:prstTxWarp>
           </a:bodyPr>
           <a:lstStyle/>
           <a:p>
+            <a:pPr/>
             <a:r>
               <a:t>Click to edit Master title style</a:t>
             </a:r>
@@ -2817,7 +2838,7 @@
             <a:spLocks noGrp="1" noChangeArrowheads="1"/>
             <a:extLst>
               <a:ext uri="smNativeData">
-                <pr:smNativeData xmlns="smNativeData" xmlns:pr="smNativeData" xmlns:p15="http://schemas.microsoft.com/office/powerpoint/2012/main" xmlns:p14="http://schemas.microsoft.com/office/powerpoint/2010/main" xmlns:mc="http://schemas.openxmlformats.org/markup-compatibility/2006" val="SMDATA_15_wwJCaRMAAAAlAAAAZAAAAA8BAAAAkAAAAEgAAACQAAAASAAAAAAAAAAAAAAAAAAAAAEAAABQAAAAAAAAAAAA4D8AAAAAAADgPwAAAAAAAOA/AAAAAAAA4D8AAAAAAADgPwAAAAAAAOA/AAAAAAAA4D8AAAAAAADgPwAAAAAAAOA/AAAAAAAA4D8CAAAAjAAAAAAAAAAAAAAAu+DjDP///wgAAAAAAAAAAAAAAAAAAAAAAAAAAAAAAAAAAAAAZAAAAAEAAABAAAAAAAAAAAAAAAAAAAAAAAAAAAAAAAAAAAAAAAAAAAAAAAAAAAAAAAAAAAAAAAAAAAAAAAAAAAAAAAAAAAAAAAAAAAAAAAAAAAAAAAAAAAAAAAAAAAAAFAAAADwAAAAAAAAAAAAAAAAAAAkUAAAAAQAAABQAAAAUAAAAFAAAAAEAAAAAAAAAZAAAAGQAAAAAAAAAZAAAAGQAAAAVAAAAYAAAAAAAAAAAAAAADwAAACADAAAAAAAAAAAAAAEAAACgMgAAVgcAAKr4//8BAAAAf39/AAEAAABkAAAAAAAAABQAAABAHwAAAAAAACYAAAAAAAAAwOD//wAAAAAmAAAAZAAAABYAAABMAAAAAAAAAAAAAAAEAAAAAAAAAAEAAACAgIAKAAAAACgAAAAoAAAAZAAAAGQAAAAAAAAAzMzMAAAAAABQAAAAUAAAAGQAAABkAAAAAAAAABcAAAAUAAAAAAAAAAAAAAD/fwAA/38AAAAAAAAJAAAABAAAAHsAfAAeAAAAaAAAAAAAAAAAAAAAAAAAAAAAAAAAAAAAECcAABAnAAAAAAAAAAAAAAAAAAAAAAAAAAAAAAAAAAAAAAAAAAAAABQAAAAAAAAAwMD/AAAAAABkAAAAMgAAAAAAAABkAAAAAAAAAH9/fwAKAAAAIgAAABgAAAAAAAAAAAAAAAAAAAAAAAAAAAAAAAAAAAAkAAAAJAAAAAAAAAAHAAAAAAAAAAAAAAAAAAAAAAAAAAAAAAAAAAAAf39/ACUAAABYAAAAAAAAAAAAAAAAAAAAAAAAAAAAAAAAAAAAAAAAAAAAAAAAAAAAAAAAAAAAAAA/AAAAAAAAAKCGAQAAAAAAAAAAAAAAAAAMAAAAAQAAAAAAAAAAAAAAAAAAAB8AAABUAAAAAAAABQAAAAEAAAAAAAAAAAAAAAAAAAAAAAAAAAAAAAAAAAAAAAAAAAAAAAJ/f38AAAAAA8zMzADAwP8Af39/AAAAAAAAAAAAAAAAAAAAAAAAAAAAIQAAABgAAAAUAAAAwAMAANgJAABARwAAsCUAABAAAAAmAAAACAAAAP//////////"/>
+                <pr:smNativeData xmlns:pr="smNativeData" xmlns="smNativeData" val="SMDATA_15_SSBGaRMAAAAlAAAAZAAAAA0AAAAAkAAAAEgAAACQAAAASAAAAAAAAAAAAAAAAAAAAAEAAABQAAAAAAAAAAAA4D8AAAAAAADgPwAAAAAAAOA/AAAAAAAA4D8AAAAAAADgPwAAAAAAAOA/AAAAAAAA4D8AAAAAAADgPwAAAAAAAOA/AAAAAAAA4D8CAAAAjAAAAAAAAAAAAAAAu+DjDP///wgAAAAAAAAAAAAAAAAAAAAAAAAAAAAAAAAAAAAAZAAAAAEAAABAAAAAAAAAAAAAAAAAAAAAAAAAAAAAAAAAAAAAAAAAAAAAAAAAAAAAAAAAAAAAAAAAAAAAAAAAAAAAAAAAAAAAAAAAAAAAAAAAAAAAAAAAAAAAAAAAAAAAFAAAADwAAAAAAAAAAAAAAAAAAAkUAAAAAQAAABQAAAAUAAAAFAAAAAEAAAAAAAAAZAAAAGQAAAAAAAAAZAAAAGQAAAAVAAAAYAAAAAAAAAAAAAAADwAAACADAAAAAAAAAAAAAAEAAACgMgAAVgcAAKr4//8BAAAAf39/AAEAAABkAAAAAAAAABQAAABAHwAAAAAAACYAAAAAAAAAwOD//wAAAAAmAAAAZAAAABYAAABMAAAAAAAAAAAAAAAEAAAAAAAAAAEAAACAgIAKAAAAACgAAAAoAAAAZAAAAGQAAAAAAAAAzMzMAAAAAABQAAAAUAAAAGQAAABkAAAAAAAAABcAAAAUAAAAAAAAAAAAAAD/fwAA/38AAAAAAAAJAAAABAAAAGxpY2keAAAAaAAAAAAAAAAAAAAAAAAAAAAAAAAAAAAAECcAABAnAAAAAAAAAAAAAAAAAAAAAAAAAAAAAAAAAAAAAAAAAAAAABQAAAAAAAAAwMD/AAAAAABkAAAAMgAAAAAAAABkAAAAAAAAAH9/fwAKAAAAIgAAABgAAAAAAAAAAAAAAAAAAAAAAAAAAAAAAAAAAAAkAAAAJAAAAAAAAAAHAAAAAAAAAAAAAAAAAAAAAAAAAAAAAAAAAAAAf39/ACUAAABYAAAAAAAAAAAAAAAAAAAAAAAAAAAAAAAAAAAAAAAAAAAAAAAAAAAAAAAAAAAAAAA/AAAAAAAAAKCGAQAAAAAAAAAAAAAAAAAMAAAAAQAAAAAAAAAAAAAAAAAAAB8AAABUAAAAAAAABQAAAAEAAAAAAAAAAAAAAAAAAAAAAAAAAAAAAAAAAAAAAAAAAAAAAAJ/f38AAAAAA8zMzADAwP8Af39/AAAAAAAAAAAAAAAAAAAAAAAAAAAAIQAAABgAAAAUAAAAwAMAANgJAABARwAAsCUAABAAAAAmAAAACAAAAIMfAAD//8EB"/>
               </a:ext>
             </a:extLst>
           </p:cNvSpPr>
@@ -2840,13 +2861,14 @@
           <a:effectLst/>
         </p:spPr>
         <p:txBody>
-          <a:bodyPr vert="horz" wrap="square" numCol="1" spcCol="215900" anchor="t">
+          <a:bodyPr vert="horz" wrap="square" lIns="91440" tIns="45720" rIns="91440" bIns="45720" numCol="1" spcCol="215900" anchor="t">
             <a:prstTxWarp prst="textNoShape">
               <a:avLst/>
             </a:prstTxWarp>
           </a:bodyPr>
           <a:lstStyle/>
           <a:p>
+            <a:pPr/>
             <a:r>
               <a:t>Click to edit Master text styles</a:t>
             </a:r>
@@ -2884,7 +2906,7 @@
             <a:spLocks noGrp="1" noChangeArrowheads="1"/>
             <a:extLst>
               <a:ext uri="smNativeData">
-                <pr:smNativeData xmlns="smNativeData" xmlns:pr="smNativeData" xmlns:p15="http://schemas.microsoft.com/office/powerpoint/2012/main" xmlns:p14="http://schemas.microsoft.com/office/powerpoint/2010/main" xmlns:mc="http://schemas.openxmlformats.org/markup-compatibility/2006" val="SMDATA_15_wwJCaRMAAAAlAAAAZAAAAA8BAAAAkAAAAEgAAACQAAAASAAAAAAAAAABAAAAAAAAAAEAAABQAAAAAAAAAAAA4D8AAAAAAADgPwAAAAAAAOA/AAAAAAAA4D8AAAAAAADgPwAAAAAAAOA/AAAAAAAA4D8AAAAAAADgPwAAAAAAAOA/AAAAAAAA4D8CAAAAjAAAAAAAAAAAAAAAu+DjDP///wgAAAAAAAAAAAAAAAAAAAAAAAAAAAAAAAAAAAAAZAAAAAEAAABAAAAAAAAAAAAAAAAAAAAAAAAAAAAAAAAAAAAAAAAAAAAAAAAAAAAAAAAAAAAAAAAAAAAAAAAAAAAAAAAAAAAAAAAAAAAAAAAAAAAAAAAAAAAAAAAAAAAAFAAAADwAAAAAAAAAAAAAAAAAAAkUAAAAAQAAABQAAAAUAAAAFAAAAAEAAAAAAAAAZAAAAGQAAAAAAAAAZAAAAGQAAAAVAAAAYAAAAAAAAAAAAAAADwAAACADAAAAAAAAAAAAAAEAAACgMgAAVgcAAKr4//8BAAAAf39/AAEAAABkAAAAAAAAABQAAABAHwAAAAAAACYAAAAAAAAAwOD//wAAAAAmAAAAZAAAABYAAABMAAAAAAAAAAAAAAAEAAAAAAAAAAEAAACAgIAKAAAAACgAAAAoAAAAZAAAAGQAAAAAAAAAzMzMAAAAAABQAAAAUAAAAGQAAABkAAAAAAAAABcAAAAUAAAAAAAAAAAAAAD/fwAA/38AAAAAAAAJAAAABAAAAHsAfAAeAAAAaAAAAAAAAAAAAAAAAAAAAAAAAAAAAAAAECcAABAnAAAAAAAAAAAAAAAAAAAAAAAAAAAAAAAAAAAAAAAAAAAAABQAAAAAAAAAwMD/AAAAAABkAAAAMgAAAAAAAABkAAAAAAAAAH9/fwAKAAAAIgAAABgAAAAAAAAAAAAAAAAAAAAAAAAAAAAAAAAAAAAkAAAAJAAAAAAAAAAHAAAAAAAAAAAAAAAAAAAAAAAAAAAAAAAAAAAAf39/ACUAAABYAAAAAAAAAAAAAAAAAAAAAAAAAAAAAAAAAAAAAAAAAAAAAAAAAAAAAAAAAAAAAAA/AAAAAAAAAKCGAQAAAAAAAAAAAAAAAAAMAAAAAQAAAAAAAAAAAAAAAAAAAB8AAABUAAAAAAAABQAAAAEAAAAAAAAAAAAAAAAAAAAAAAAAAAAAAAAAAAAAAAAAAAAAAAJ/f38AAAAAA8zMzADAwP8Af39/AAAAAAAAAAAAAAAAAAAAAAAAAAAAIQAAABgAAAAUAAAAwAMAABsnAAA/FQAAWSkAABAAAAAmAAAACAAAAP//////////"/>
+                <pr:smNativeData xmlns:pr="smNativeData" xmlns="smNativeData" val="SMDATA_15_SSBGaRMAAAAlAAAAZAAAAA0AAAAAkAAAAEgAAACQAAAASAAAAAAAAAABAAAAAAAAAAEAAABQAAAAAAAAAAAA4D8AAAAAAADgPwAAAAAAAOA/AAAAAAAA4D8AAAAAAADgPwAAAAAAAOA/AAAAAAAA4D8AAAAAAADgPwAAAAAAAOA/AAAAAAAA4D8CAAAAjAAAAAAAAAAAAAAAu+DjDP///wgAAAAAAAAAAAAAAAAAAAAAAAAAAAAAAAAAAAAAZAAAAAEAAABAAAAAAAAAAAAAAAAAAAAAAAAAAAAAAAAAAAAAAAAAAAAAAAAAAAAAAAAAAAAAAAAAAAAAAAAAAAAAAAAAAAAAAAAAAAAAAAAAAAAAAAAAAAAAAAAAAAAAFAAAADwAAAAAAAAAAAAAAAAAAAkUAAAAAQAAABQAAAAUAAAAFAAAAAEAAAAAAAAAZAAAAGQAAAAAAAAAZAAAAGQAAAAVAAAAYAAAAAAAAAAAAAAADwAAACADAAAAAAAAAAAAAAEAAACgMgAAVgcAAKr4//8BAAAAf39/AAEAAABkAAAAAAAAABQAAABAHwAAAAAAACYAAAAAAAAAwOD//wAAAAAmAAAAZAAAABYAAABMAAAAAAAAAAAAAAAEAAAAAAAAAAEAAACAgIAKAAAAACgAAAAoAAAAZAAAAGQAAAAAAAAAzMzMAAAAAABQAAAAUAAAAGQAAABkAAAAAAAAABcAAAAUAAAAAAAAAAAAAAD/fwAA/38AAAAAAAAJAAAABAAAAE1hc3QeAAAAaAAAAAAAAAAAAAAAAAAAAAAAAAAAAAAAECcAABAnAAAAAAAAAAAAAAAAAAAAAAAAAAAAAAAAAAAAAAAAAAAAABQAAAAAAAAAwMD/AAAAAABkAAAAMgAAAAAAAABkAAAAAAAAAH9/fwAKAAAAIgAAABgAAAAAAAAAAAAAAAAAAAAAAAAAAAAAAAAAAAAkAAAAJAAAAAAAAAAHAAAAAAAAAAAAAAAAAAAAAAAAAAAAAAAAAAAAf39/ACUAAABYAAAAAAAAAAAAAAAAAAAAAAAAAAAAAAAAAAAAAAAAAAAAAAAAAAAAAAAAAAAAAAA/AAAAAAAAAKCGAQAAAAAAAAAAAAAAAAAMAAAAAQAAAAAAAAAAAAAAAAAAAB8AAABUAAAAAAAABQAAAAEAAAAAAAAAAAAAAAAAAAAAAAAAAAAAAAAAAAAAAAAAAAAAAAJ/f38AAAAAA8zMzADAwP8Af39/AAAAAAAAAAAAAAAAAAAAAAAAAAAAIQAAABgAAAAUAAAAwAMAABsnAAA/FQAAWSkAABAAAAAmAAAACAAAAIOfAAD//8EB"/>
               </a:ext>
             </a:extLst>
           </p:cNvSpPr>
@@ -2907,7 +2929,7 @@
           <a:effectLst/>
         </p:spPr>
         <p:txBody>
-          <a:bodyPr vert="horz" wrap="square" numCol="1" spcCol="215900" anchor="ctr">
+          <a:bodyPr vert="horz" wrap="square" lIns="91440" tIns="45720" rIns="91440" bIns="45720" numCol="1" spcCol="215900" anchor="ctr">
             <a:prstTxWarp prst="textNoShape">
               <a:avLst/>
             </a:prstTxWarp>
@@ -2918,10 +2940,10 @@
             </a:lvl1pPr>
           </a:lstStyle>
           <a:p>
-            <a:fld id="{2B3A1547-09C6-6FE3-8882-FFB65BCC7EAA}" type="datetime1">
-              <a:t>12/16/2025</a:t>
+            <a:pPr/>
+            <a:fld id="{1B0EDD63-2DF6-5B2B-B8B6-DB7E93F84E8E}" type="datetime1">
+              <a:t/>
             </a:fld>
-            <a:endParaRPr/>
           </a:p>
         </p:txBody>
       </p:sp>
@@ -2932,7 +2954,7 @@
             <a:spLocks noGrp="1" noChangeArrowheads="1"/>
             <a:extLst>
               <a:ext uri="smNativeData">
-                <pr:smNativeData xmlns="smNativeData" xmlns:pr="smNativeData" xmlns:p15="http://schemas.microsoft.com/office/powerpoint/2012/main" xmlns:p14="http://schemas.microsoft.com/office/powerpoint/2010/main" xmlns:mc="http://schemas.openxmlformats.org/markup-compatibility/2006" val="SMDATA_15_wwJCaRMAAAAlAAAAZAAAAA8BAAAAkAAAAEgAAACQAAAASAAAAAAAAAABAAAAAAAAAAEAAABQAAAAAAAAAAAA4D8AAAAAAADgPwAAAAAAAOA/AAAAAAAA4D8AAAAAAADgPwAAAAAAAOA/AAAAAAAA4D8AAAAAAADgPwAAAAAAAOA/AAAAAAAA4D8CAAAAjAAAAAAAAAAAAAAAu+DjDP///wgAAAAAAAAAAAAAAAAAAAAAAAAAAAAAAAAAAAAAZAAAAAEAAABAAAAAAAAAAAAAAAAAAAAAAAAAAAAAAAAAAAAAAAAAAAAAAAAAAAAAAAAAAAAAAAAAAAAAAAAAAAAAAAAAAAAAAAAAAAAAAAAAAAAAAAAAAAAAAAAAAAAAFAAAADwAAAAAAAAAAAAAAAAAAAkUAAAAAQAAABQAAAAUAAAAFAAAAAEAAAAAAAAAZAAAAGQAAAAAAAAAZAAAAGQAAAAVAAAAYAAAAAAAAAAAAAAADwAAACADAAAAAAAAAAAAAAEAAACgMgAAVgcAAKr4//8BAAAAf39/AAEAAABkAAAAAAAAABQAAABAHwAAAAAAACYAAAAAAAAAwOD//wAAAAAmAAAAZAAAABYAAABMAAAAAAAAAAAAAAAEAAAAAAAAAAEAAACAgIAKAAAAACgAAAAoAAAAZAAAAGQAAAAAAAAAzMzMAAAAAABQAAAAUAAAAGQAAABkAAAAAAAAABcAAAAUAAAAAAAAAAAAAAD/fwAA/38AAAAAAAAJAAAABAAAAAAAAAAeAAAAaAAAAAAAAAAAAAAAAAAAAAAAAAAAAAAAECcAABAnAAAAAAAAAAAAAAAAAAAAAAAAAAAAAAAAAAAAAAAAAAAAABQAAAAAAAAAwMD/AAAAAABkAAAAMgAAAAAAAABkAAAAAAAAAH9/fwAKAAAAIgAAABgAAAAAAAAAAAAAAAAAAAAAAAAAAAAAAAAAAAAkAAAAJAAAAAAAAAAHAAAAAAAAAAAAAAAAAAAAAAAAAAAAAAAAAAAAf39/ACUAAABYAAAAAAAAAAAAAAAAAAAAAAAAAAAAAAAAAAAAAAAAAAAAAAAAAAAAAAAAAAAAAAA/AAAAAAAAAKCGAQAAAAAAAAAAAAAAAAAMAAAAAQAAAAAAAAAAAAAAAAAAAB8AAABUAAAAAAAABQAAAAEAAAAAAAAAAAAAAAAAAAAAAAAAAAAAAAAAAAAAAAAAAAAAAAJ/f38AAAAAA8zMzADAwP8Af39/AAAAAAAAAAAAAAAAAAAAAAAAAAAAIQAAABgAAAAUAAAAoRkAABsnAABfMQAAWSkAABAAAAAmAAAACAAAAP//////////"/>
+                <pr:smNativeData xmlns:pr="smNativeData" xmlns="smNativeData" val="SMDATA_15_SSBGaRMAAAAlAAAAZAAAAA0AAAAAkAAAAEgAAACQAAAASAAAAAAAAAABAAAAAAAAAAEAAABQAAAAAAAAAAAA4D8AAAAAAADgPwAAAAAAAOA/AAAAAAAA4D8AAAAAAADgPwAAAAAAAOA/AAAAAAAA4D8AAAAAAADgPwAAAAAAAOA/AAAAAAAA4D8CAAAAjAAAAAAAAAAAAAAAu+DjDP///wgAAAAAAAAAAAAAAAAAAAAAAAAAAAAAAAAAAAAAZAAAAAEAAABAAAAAAAAAAAAAAAAAAAAAAAAAAAAAAAAAAAAAAAAAAAAAAAAAAAAAAAAAAAAAAAAAAAAAAAAAAAAAAAAAAAAAAAAAAAAAAAAAAAAAAAAAAAAAAAAAAAAAFAAAADwAAAAAAAAAAAAAAAAAAAkUAAAAAQAAABQAAAAUAAAAFAAAAAEAAAAAAAAAZAAAAGQAAAAAAAAAZAAAAGQAAAAVAAAAYAAAAAAAAAAAAAAADwAAACADAAAAAAAAAAAAAAEAAACgMgAAVgcAAKr4//8BAAAAf39/AAEAAABkAAAAAAAAABQAAABAHwAAAAAAACYAAAAAAAAAwOD//wAAAAAmAAAAZAAAABYAAABMAAAAAAAAAAAAAAAEAAAAAAAAAAEAAACAgIAKAAAAACgAAAAoAAAAZAAAAGQAAAAAAAAAzMzMAAAAAABQAAAAUAAAAGQAAABkAAAAAAAAABcAAAAUAAAAAAAAAAAAAAD/fwAA/38AAAAAAAAJAAAABAAAAE1hc3QeAAAAaAAAAAAAAAAAAAAAAAAAAAAAAAAAAAAAECcAABAnAAAAAAAAAAAAAAAAAAAAAAAAAAAAAAAAAAAAAAAAAAAAABQAAAAAAAAAwMD/AAAAAABkAAAAMgAAAAAAAABkAAAAAAAAAH9/fwAKAAAAIgAAABgAAAAAAAAAAAAAAAAAAAAAAAAAAAAAAAAAAAAkAAAAJAAAAAAAAAAHAAAAAAAAAAAAAAAAAAAAAAAAAAAAAAAAAAAAf39/ACUAAABYAAAAAAAAAAAAAAAAAAAAAAAAAAAAAAAAAAAAAAAAAAAAAAAAAAAAAAAAAAAAAAA/AAAAAAAAAKCGAQAAAAAAAAAAAAAAAAAMAAAAAQAAAAAAAAAAAAAAAAAAAB8AAABUAAAAAAAABQAAAAEAAAAAAAAAAAAAAAAAAAAAAAAAAAAAAAAAAAAAAAAAAAAAAAJ/f38AAAAAA8zMzADAwP8Af39/AAAAAAAAAAAAAAAAAAAAAAAAAAAAIQAAABgAAAAUAAAAoRkAABsnAABfMQAAWSkAABAAAAAmAAAACAAAAIOfAAD//8EB"/>
               </a:ext>
             </a:extLst>
           </p:cNvSpPr>
@@ -2955,7 +2977,7 @@
           <a:effectLst/>
         </p:spPr>
         <p:txBody>
-          <a:bodyPr vert="horz" wrap="square" numCol="1" spcCol="215900" anchor="ctr">
+          <a:bodyPr vert="horz" wrap="square" lIns="91440" tIns="45720" rIns="91440" bIns="45720" numCol="1" spcCol="215900" anchor="ctr">
             <a:prstTxWarp prst="textNoShape">
               <a:avLst/>
             </a:prstTxWarp>
@@ -2966,7 +2988,7 @@
             </a:lvl1pPr>
           </a:lstStyle>
           <a:p>
-            <a:endParaRPr/>
+            <a:pPr/>
           </a:p>
         </p:txBody>
       </p:sp>
@@ -2977,7 +2999,7 @@
             <a:spLocks noGrp="1" noChangeArrowheads="1"/>
             <a:extLst>
               <a:ext uri="smNativeData">
-                <pr:smNativeData xmlns="smNativeData" xmlns:pr="smNativeData" xmlns:p15="http://schemas.microsoft.com/office/powerpoint/2012/main" xmlns:p14="http://schemas.microsoft.com/office/powerpoint/2010/main" xmlns:mc="http://schemas.openxmlformats.org/markup-compatibility/2006" val="SMDATA_15_wwJCaRMAAAAlAAAAZAAAAA8BAAAAkAAAAEgAAACQAAAASAAAAAAAAAABAAAAAAAAAAEAAABQAAAAAAAAAAAA4D8AAAAAAADgPwAAAAAAAOA/AAAAAAAA4D8AAAAAAADgPwAAAAAAAOA/AAAAAAAA4D8AAAAAAADgPwAAAAAAAOA/AAAAAAAA4D8CAAAAjAAAAAAAAAAAAAAAu+DjDP///wgAAAAAAAAAAAAAAAAAAAAAAAAAAAAAAAAAAAAAZAAAAAEAAABAAAAAAAAAAAAAAAAAAAAAAAAAAAAAAAAAAAAAAAAAAAAAAAAAAAAAAAAAAAAAAAAAAAAAAAAAAAAAAAAAAAAAAAAAAAAAAAAAAAAAAAAAAAAAAAAAAAAAFAAAADwAAAAAAAAAAAAAAAAAAAkUAAAAAQAAABQAAAAUAAAAFAAAAAEAAAAAAAAAZAAAAGQAAAAAAAAAZAAAAGQAAAAVAAAAYAAAAAAAAAAAAAAADwAAACADAAAAAAAAAAAAAAEAAACgMgAAVgcAAKr4//8BAAAAf39/AAEAAABkAAAAAAAAABQAAABAHwAAAAAAACYAAAAAAAAAwOD//wAAAAAmAAAAZAAAABYAAABMAAAAAAAAAAAAAAAEAAAAAAAAAAEAAACAgIAKAAAAACgAAAAoAAAAZAAAAGQAAAAAAAAAzMzMAAAAAABQAAAAUAAAAGQAAABkAAAAAAAAABcAAAAUAAAAAAAAAAAAAAD/fwAA/38AAAAAAAAJAAAABAAAAP////8eAAAAaAAAAAAAAAAAAAAAAAAAAAAAAAAAAAAAECcAABAnAAAAAAAAAAAAAAAAAAAAAAAAAAAAAAAAAAAAAAAAAAAAABQAAAAAAAAAwMD/AAAAAABkAAAAMgAAAAAAAABkAAAAAAAAAH9/fwAKAAAAIgAAABgAAAAAAAAAAAAAAAAAAAAAAAAAAAAAAAAAAAAkAAAAJAAAAAAAAAAHAAAAAAAAAAAAAAAAAAAAAAAAAAAAAAAAAAAAf39/ACUAAABYAAAAAAAAAAAAAAAAAAAAAAAAAAAAAAAAAAAAAAAAAAAAAAAAAAAAAAAAAAAAAAA/AAAAAAAAAKCGAQAAAAAAAAAAAAAAAAAMAAAAAQAAAAAAAAAAAAAAAAAAAB8AAABUAAAAAAAABQAAAAEAAAAAAAAAAAAAAAAAAAAAAAAAAAAAAAAAAAAAAAAAAAAAAAJ/f38AAAAAA8zMzADAwP8Af39/AAAAAAAAAAAAAAAAAAAAAAAAAAAAIQAAABgAAAAUAAAAwTUAABsnAABARwAAWSkAABAAAAAmAAAACAAAAP//////////"/>
+                <pr:smNativeData xmlns:pr="smNativeData" xmlns="smNativeData" val="SMDATA_15_SSBGaRMAAAAlAAAAZAAAAA0AAAAAkAAAAEgAAACQAAAASAAAAAAAAAABAAAAAAAAAAEAAABQAAAAAAAAAAAA4D8AAAAAAADgPwAAAAAAAOA/AAAAAAAA4D8AAAAAAADgPwAAAAAAAOA/AAAAAAAA4D8AAAAAAADgPwAAAAAAAOA/AAAAAAAA4D8CAAAAjAAAAAAAAAAAAAAAu+DjDP///wgAAAAAAAAAAAAAAAAAAAAAAAAAAAAAAAAAAAAAZAAAAAEAAABAAAAAAAAAAAAAAAAAAAAAAAAAAAAAAAAAAAAAAAAAAAAAAAAAAAAAAAAAAAAAAAAAAAAAAAAAAAAAAAAAAAAAAAAAAAAAAAAAAAAAAAAAAAAAAAAAAAAAFAAAADwAAAAAAAAAAAAAAAAAAAkUAAAAAQAAABQAAAAUAAAAFAAAAAEAAAAAAAAAZAAAAGQAAAAAAAAAZAAAAGQAAAAVAAAAYAAAAAAAAAAAAAAADwAAACADAAAAAAAAAAAAAAEAAACgMgAAVgcAAKr4//8BAAAAf39/AAEAAABkAAAAAAAAABQAAABAHwAAAAAAACYAAAAAAAAAwOD//wAAAAAmAAAAZAAAABYAAABMAAAAAAAAAAAAAAAEAAAAAAAAAAEAAACAgIAKAAAAACgAAAAoAAAAZAAAAGQAAAAAAAAAzMzMAAAAAABQAAAAUAAAAGQAAABkAAAAAAAAABcAAAAUAAAAAAAAAAAAAAD/fwAA/38AAAAAAAAJAAAABAAAAEFBQUEeAAAAaAAAAAAAAAAAAAAAAAAAAAAAAAAAAAAAECcAABAnAAAAAAAAAAAAAAAAAAAAAAAAAAAAAAAAAAAAAAAAAAAAABQAAAAAAAAAwMD/AAAAAABkAAAAMgAAAAAAAABkAAAAAAAAAH9/fwAKAAAAIgAAABgAAAAAAAAAAAAAAAAAAAAAAAAAAAAAAAAAAAAkAAAAJAAAAAAAAAAHAAAAAAAAAAAAAAAAAAAAAAAAAAAAAAAAAAAAf39/ACUAAABYAAAAAAAAAAAAAAAAAAAAAAAAAAAAAAAAAAAAAAAAAAAAAAAAAAAAAAAAAAAAAAA/AAAAAAAAAKCGAQAAAAAAAAAAAAAAAAAMAAAAAQAAAAAAAAAAAAAAAAAAAB8AAABUAAAAAAAABQAAAAEAAAAAAAAAAAAAAAAAAAAAAAAAAAAAAAAAAAAAAAAAAAAAAAJ/f38AAAAAA8zMzADAwP8Af39/AAAAAAAAAAAAAAAAAAAAAAAAAAAAIQAAABgAAAAUAAAAwTUAABsnAABARwAAWSkAABAAAAAmAAAACAAAAIOfAAD//8EB"/>
               </a:ext>
             </a:extLst>
           </p:cNvSpPr>
@@ -3000,7 +3022,7 @@
           <a:effectLst/>
         </p:spPr>
         <p:txBody>
-          <a:bodyPr vert="horz" wrap="square" numCol="1" spcCol="215900" anchor="ctr">
+          <a:bodyPr vert="horz" wrap="square" lIns="91440" tIns="45720" rIns="91440" bIns="45720" numCol="1" spcCol="215900" anchor="ctr">
             <a:prstTxWarp prst="textNoShape">
               <a:avLst/>
             </a:prstTxWarp>
@@ -3011,10 +3033,10 @@
             </a:lvl1pPr>
           </a:lstStyle>
           <a:p>
-            <a:fld id="{2B3A77CB-85C6-6F81-8882-73D439CC7E26}" type="slidenum">
-              <a:t>‹#›</a:t>
+            <a:pPr/>
+            <a:fld id="{1B0EB6DE-90F6-5B40-B8B6-6615F8F84E33}" type="slidenum">
+              <a:t/>
             </a:fld>
-            <a:endParaRPr/>
           </a:p>
         </p:txBody>
       </p:sp>
@@ -3055,7 +3077,7 @@
           </a:solidFill>
           <a:effectLst/>
           <a:latin typeface="Calibri" pitchFamily="2" charset="0"/>
-          <a:ea typeface="SimSun" charset="0"/>
+          <a:ea typeface="SimSun" pitchFamily="0" charset="0"/>
           <a:cs typeface="Times New Roman" pitchFamily="1" charset="0"/>
         </a:defRPr>
       </a:lvl1pPr>
@@ -3077,7 +3099,7 @@
           </a:solidFill>
           <a:effectLst/>
           <a:latin typeface="Calibri" pitchFamily="2" charset="0"/>
-          <a:ea typeface="SimSun" charset="0"/>
+          <a:ea typeface="SimSun" pitchFamily="0" charset="0"/>
           <a:cs typeface="Times New Roman" pitchFamily="1" charset="0"/>
         </a:defRPr>
       </a:lvl2pPr>
@@ -3099,7 +3121,7 @@
           </a:solidFill>
           <a:effectLst/>
           <a:latin typeface="Calibri" pitchFamily="2" charset="0"/>
-          <a:ea typeface="SimSun" charset="0"/>
+          <a:ea typeface="SimSun" pitchFamily="0" charset="0"/>
           <a:cs typeface="Times New Roman" pitchFamily="1" charset="0"/>
         </a:defRPr>
       </a:lvl3pPr>
@@ -3121,7 +3143,7 @@
           </a:solidFill>
           <a:effectLst/>
           <a:latin typeface="Calibri" pitchFamily="2" charset="0"/>
-          <a:ea typeface="SimSun" charset="0"/>
+          <a:ea typeface="SimSun" pitchFamily="0" charset="0"/>
           <a:cs typeface="Times New Roman" pitchFamily="1" charset="0"/>
         </a:defRPr>
       </a:lvl4pPr>
@@ -3143,7 +3165,7 @@
           </a:solidFill>
           <a:effectLst/>
           <a:latin typeface="Calibri" pitchFamily="2" charset="0"/>
-          <a:ea typeface="SimSun" charset="0"/>
+          <a:ea typeface="SimSun" pitchFamily="0" charset="0"/>
           <a:cs typeface="Times New Roman" pitchFamily="1" charset="0"/>
         </a:defRPr>
       </a:lvl5pPr>
@@ -3165,7 +3187,7 @@
           </a:solidFill>
           <a:effectLst/>
           <a:latin typeface="Calibri" pitchFamily="2" charset="0"/>
-          <a:ea typeface="SimSun" charset="0"/>
+          <a:ea typeface="SimSun" pitchFamily="0" charset="0"/>
           <a:cs typeface="Times New Roman" pitchFamily="1" charset="0"/>
         </a:defRPr>
       </a:lvl6pPr>
@@ -3187,7 +3209,7 @@
           </a:solidFill>
           <a:effectLst/>
           <a:latin typeface="Calibri" pitchFamily="2" charset="0"/>
-          <a:ea typeface="SimSun" charset="0"/>
+          <a:ea typeface="SimSun" pitchFamily="0" charset="0"/>
           <a:cs typeface="Times New Roman" pitchFamily="1" charset="0"/>
         </a:defRPr>
       </a:lvl7pPr>
@@ -3209,7 +3231,7 @@
           </a:solidFill>
           <a:effectLst/>
           <a:latin typeface="Calibri" pitchFamily="2" charset="0"/>
-          <a:ea typeface="SimSun" charset="0"/>
+          <a:ea typeface="SimSun" pitchFamily="0" charset="0"/>
           <a:cs typeface="Times New Roman" pitchFamily="1" charset="0"/>
         </a:defRPr>
       </a:lvl8pPr>
@@ -3231,7 +3253,7 @@
           </a:solidFill>
           <a:effectLst/>
           <a:latin typeface="Calibri" pitchFamily="2" charset="0"/>
-          <a:ea typeface="SimSun" charset="0"/>
+          <a:ea typeface="SimSun" pitchFamily="0" charset="0"/>
           <a:cs typeface="Times New Roman" pitchFamily="1" charset="0"/>
         </a:defRPr>
       </a:lvl9pPr>
@@ -3258,7 +3280,7 @@
           </a:solidFill>
           <a:effectLst/>
           <a:latin typeface="Calibri" pitchFamily="2" charset="0"/>
-          <a:ea typeface="SimSun" charset="0"/>
+          <a:ea typeface="SimSun" pitchFamily="0" charset="0"/>
           <a:cs typeface="Times New Roman" pitchFamily="1" charset="0"/>
         </a:defRPr>
       </a:lvl1pPr>
@@ -3283,7 +3305,7 @@
           </a:solidFill>
           <a:effectLst/>
           <a:latin typeface="Calibri" pitchFamily="2" charset="0"/>
-          <a:ea typeface="SimSun" charset="0"/>
+          <a:ea typeface="SimSun" pitchFamily="0" charset="0"/>
           <a:cs typeface="Times New Roman" pitchFamily="1" charset="0"/>
         </a:defRPr>
       </a:lvl2pPr>
@@ -3308,7 +3330,7 @@
           </a:solidFill>
           <a:effectLst/>
           <a:latin typeface="Calibri" pitchFamily="2" charset="0"/>
-          <a:ea typeface="SimSun" charset="0"/>
+          <a:ea typeface="SimSun" pitchFamily="0" charset="0"/>
           <a:cs typeface="Times New Roman" pitchFamily="1" charset="0"/>
         </a:defRPr>
       </a:lvl3pPr>
@@ -3333,7 +3355,7 @@
           </a:solidFill>
           <a:effectLst/>
           <a:latin typeface="Calibri" pitchFamily="2" charset="0"/>
-          <a:ea typeface="SimSun" charset="0"/>
+          <a:ea typeface="SimSun" pitchFamily="0" charset="0"/>
           <a:cs typeface="Times New Roman" pitchFamily="1" charset="0"/>
         </a:defRPr>
       </a:lvl4pPr>
@@ -3358,7 +3380,7 @@
           </a:solidFill>
           <a:effectLst/>
           <a:latin typeface="Calibri" pitchFamily="2" charset="0"/>
-          <a:ea typeface="SimSun" charset="0"/>
+          <a:ea typeface="SimSun" pitchFamily="0" charset="0"/>
           <a:cs typeface="Times New Roman" pitchFamily="1" charset="0"/>
         </a:defRPr>
       </a:lvl5pPr>
@@ -3383,7 +3405,7 @@
           </a:solidFill>
           <a:effectLst/>
           <a:latin typeface="Calibri" pitchFamily="2" charset="0"/>
-          <a:ea typeface="SimSun" charset="0"/>
+          <a:ea typeface="SimSun" pitchFamily="0" charset="0"/>
           <a:cs typeface="Times New Roman" pitchFamily="1" charset="0"/>
         </a:defRPr>
       </a:lvl6pPr>
@@ -3408,7 +3430,7 @@
           </a:solidFill>
           <a:effectLst/>
           <a:latin typeface="Calibri" pitchFamily="2" charset="0"/>
-          <a:ea typeface="SimSun" charset="0"/>
+          <a:ea typeface="SimSun" pitchFamily="0" charset="0"/>
           <a:cs typeface="Times New Roman" pitchFamily="1" charset="0"/>
         </a:defRPr>
       </a:lvl7pPr>
@@ -3433,7 +3455,7 @@
           </a:solidFill>
           <a:effectLst/>
           <a:latin typeface="Calibri" pitchFamily="2" charset="0"/>
-          <a:ea typeface="SimSun" charset="0"/>
+          <a:ea typeface="SimSun" pitchFamily="0" charset="0"/>
           <a:cs typeface="Times New Roman" pitchFamily="1" charset="0"/>
         </a:defRPr>
       </a:lvl8pPr>
@@ -3458,7 +3480,7 @@
           </a:solidFill>
           <a:effectLst/>
           <a:latin typeface="Calibri" pitchFamily="2" charset="0"/>
-          <a:ea typeface="SimSun" charset="0"/>
+          <a:ea typeface="SimSun" pitchFamily="0" charset="0"/>
           <a:cs typeface="Times New Roman" pitchFamily="1" charset="0"/>
         </a:defRPr>
       </a:lvl9pPr>
@@ -3482,7 +3504,7 @@
           </a:solidFill>
           <a:effectLst/>
           <a:latin typeface="Calibri" pitchFamily="2" charset="0"/>
-          <a:ea typeface="SimSun" charset="0"/>
+          <a:ea typeface="SimSun" pitchFamily="0" charset="0"/>
           <a:cs typeface="Times New Roman" pitchFamily="1" charset="0"/>
         </a:defRPr>
       </a:lvl1pPr>
@@ -3504,7 +3526,7 @@
           </a:solidFill>
           <a:effectLst/>
           <a:latin typeface="Calibri" pitchFamily="2" charset="0"/>
-          <a:ea typeface="SimSun" charset="0"/>
+          <a:ea typeface="SimSun" pitchFamily="0" charset="0"/>
           <a:cs typeface="Times New Roman" pitchFamily="1" charset="0"/>
         </a:defRPr>
       </a:lvl2pPr>
@@ -3526,7 +3548,7 @@
           </a:solidFill>
           <a:effectLst/>
           <a:latin typeface="Calibri" pitchFamily="2" charset="0"/>
-          <a:ea typeface="SimSun" charset="0"/>
+          <a:ea typeface="SimSun" pitchFamily="0" charset="0"/>
           <a:cs typeface="Times New Roman" pitchFamily="1" charset="0"/>
         </a:defRPr>
       </a:lvl3pPr>
@@ -3548,7 +3570,7 @@
           </a:solidFill>
           <a:effectLst/>
           <a:latin typeface="Calibri" pitchFamily="2" charset="0"/>
-          <a:ea typeface="SimSun" charset="0"/>
+          <a:ea typeface="SimSun" pitchFamily="0" charset="0"/>
           <a:cs typeface="Times New Roman" pitchFamily="1" charset="0"/>
         </a:defRPr>
       </a:lvl4pPr>
@@ -3570,7 +3592,7 @@
           </a:solidFill>
           <a:effectLst/>
           <a:latin typeface="Calibri" pitchFamily="2" charset="0"/>
-          <a:ea typeface="SimSun" charset="0"/>
+          <a:ea typeface="SimSun" pitchFamily="0" charset="0"/>
           <a:cs typeface="Times New Roman" pitchFamily="1" charset="0"/>
         </a:defRPr>
       </a:lvl5pPr>
@@ -3592,7 +3614,7 @@
           </a:solidFill>
           <a:effectLst/>
           <a:latin typeface="Calibri" pitchFamily="2" charset="0"/>
-          <a:ea typeface="SimSun" charset="0"/>
+          <a:ea typeface="SimSun" pitchFamily="0" charset="0"/>
           <a:cs typeface="Times New Roman" pitchFamily="1" charset="0"/>
         </a:defRPr>
       </a:lvl6pPr>
@@ -3614,7 +3636,7 @@
           </a:solidFill>
           <a:effectLst/>
           <a:latin typeface="Calibri" pitchFamily="2" charset="0"/>
-          <a:ea typeface="SimSun" charset="0"/>
+          <a:ea typeface="SimSun" pitchFamily="0" charset="0"/>
           <a:cs typeface="Times New Roman" pitchFamily="1" charset="0"/>
         </a:defRPr>
       </a:lvl7pPr>
@@ -3636,7 +3658,7 @@
           </a:solidFill>
           <a:effectLst/>
           <a:latin typeface="Calibri" pitchFamily="2" charset="0"/>
-          <a:ea typeface="SimSun" charset="0"/>
+          <a:ea typeface="SimSun" pitchFamily="0" charset="0"/>
           <a:cs typeface="Times New Roman" pitchFamily="1" charset="0"/>
         </a:defRPr>
       </a:lvl8pPr>
@@ -3658,7 +3680,7 @@
           </a:solidFill>
           <a:effectLst/>
           <a:latin typeface="Calibri" pitchFamily="2" charset="0"/>
-          <a:ea typeface="SimSun" charset="0"/>
+          <a:ea typeface="SimSun" pitchFamily="0" charset="0"/>
           <a:cs typeface="Times New Roman" pitchFamily="1" charset="0"/>
         </a:defRPr>
       </a:lvl9pPr>
@@ -3668,7 +3690,7 @@
 </file>
 
 <file path=ppt/slides/slide1.xml><?xml version="1.0" encoding="utf-8"?>
-<p:sld xmlns:a="http://schemas.openxmlformats.org/drawingml/2006/main" xmlns:r="http://schemas.openxmlformats.org/officeDocument/2006/relationships" xmlns:p="http://schemas.openxmlformats.org/presentationml/2006/main">
+<p:sld xmlns:p="http://schemas.openxmlformats.org/presentationml/2006/main" xmlns:mc="http://schemas.openxmlformats.org/markup-compatibility/2006" xmlns:p14="http://schemas.microsoft.com/office/powerpoint/2010/main" xmlns:p15="http://schemas.microsoft.com/office/powerpoint/2012/main" xmlns:r="http://schemas.openxmlformats.org/officeDocument/2006/relationships" xmlns:a="http://schemas.openxmlformats.org/drawingml/2006/main" mc:Ignorable="p14">
   <p:cSld>
     <p:spTree>
       <p:nvGrpSpPr>
@@ -3691,7 +3713,7 @@
             <a:spLocks noGrp="1" noChangeArrowheads="1"/>
             <a:extLst>
               <a:ext uri="smNativeData">
-                <pr:smNativeData xmlns="smNativeData" xmlns:pr="smNativeData" xmlns:p15="http://schemas.microsoft.com/office/powerpoint/2012/main" xmlns:p14="http://schemas.microsoft.com/office/powerpoint/2010/main" xmlns:mc="http://schemas.openxmlformats.org/markup-compatibility/2006" val="SMDATA_15_wwJCaRMAAAAlAAAAZAAAAA8BAAAAkAAAAEgAAACQAAAASAAAAAAAAAABAAAAAAAAAAEAAABQAAAAAAAAAAAA4D8AAAAAAADgPwAAAAAAAOA/AAAAAAAA4D8AAAAAAADgPwAAAAAAAOA/AAAAAAAA4D8AAAAAAADgPwAAAAAAAOA/AAAAAAAA4D8CAAAAjAAAAAAAAAAAAAAAu+DjDP///wgAAAAAAAAAAAAAAAAAAAAAAAAAAAAAAAAAAAAAZAAAAAEAAABAAAAAAAAAAAAAAAAAAAAAAAAAAAAAAAAAAAAAAAAAAAAAAAAAAAAAAAAAAAAAAAAAAAAAAAAAAAAAAAAAAAAAAAAAAAAAAAAAAAAAAAAAAAAAAAAAAAAAFAAAADwAAAAAAAAAAAAAAAAAAAkUAAAAAQAAABQAAAAUAAAAFAAAAAEAAAAAAAAAZAAAAGQAAAAAAAAAZAAAAGQAAAAVAAAAYAAAAAAAAAAAAAAADwAAACADAAAAAAAAAAAAAAEAAACgMgAAVgcAAKr4//8BAAAAf39/AAEAAABkAAAAAAAAABQAAABAHwAAAAAAACYAAAAAAAAAwOD//wAAAAAmAAAAZAAAABYAAABMAAAAAAAAAAAAAAAEAAAAAAAAAAEAAACAgIAKAAAAACgAAAAoAAAAZAAAAGQAAAAAAAAAzMzMAAAAAABQAAAAUAAAAGQAAABkAAAAAAAAABcAAAAUAAAAAAAAAAAAAAD/fwAA/38AAAAAAAAJAAAABAAAAAAAAAAeAAAAaAAAAAAAAAAAAAAAAAAAAAAAAAAAAAAAECcAABAnAAAAAAAAAAAAAAAAAAAAAAAAAAAAAAAAAAAAAAAAAAAAABQAAAAAAAAAwMD/AAAAAABkAAAAMgAAAAAAAABkAAAAAAAAAH9/fwAKAAAAIgAAABgAAAAAAAAAAAAAAAAAAAAAAAAAAAAAAAAAAAAkAAAAJAAAAAAAAAAHAAAAAAAAAAAAAAAAAAAAAAAAAAAAAAAAAAAAf39/ACUAAABYAAAAAAAAAAAAAAAAAAAAAAAAAAAAAAAAAAAAAAAAAAAAAAAAAAAAAAAAAAAAAAA/AAAAAAAAAKCGAQAAAAAAAAAAAAAAAAAMAAAAAQAAAAAAAAAAAAAAAAAAAB8AAABUAAAAAAAABQAAAAEAAAAAAAAAAAAAAAAAAAAAAAAAAAAAAAAAAAAAAAAAAAAAAAJ/f38AAAAAA8zMzADAwP8Af39/AAAAAAAAAAAAAAAAAAAAAAAAAAAAIQAAABgAAAAUAAAAoAUAABoNAABgRQAAJhYAABAAAAAmAAAACAAAAAAAAAAAAAAA"/>
+                <pr:smNativeData xmlns:pr="smNativeData" xmlns="smNativeData" val="SMDATA_15_SSBGaRMAAAAlAAAAZAAAAA0AAAAAkAAAAEgAAACQAAAASAAAAAAAAAABAAAAAAAAAAEAAABQAAAAAAAAAAAA4D8AAAAAAADgPwAAAAAAAOA/AAAAAAAA4D8AAAAAAADgPwAAAAAAAOA/AAAAAAAA4D8AAAAAAADgPwAAAAAAAOA/AAAAAAAA4D8CAAAAjAAAAAAAAAAAAAAAu+DjDP///wgAAAAAAAAAAAAAAAAAAAAAAAAAAAAAAAAAAAAAZAAAAAEAAABAAAAAAAAAAAAAAAAAAAAAAAAAAAAAAAAAAAAAAAAAAAAAAAAAAAAAAAAAAAAAAAAAAAAAAAAAAAAAAAAAAAAAAAAAAAAAAAAAAAAAAAAAAAAAAAAAAAAAFAAAADwAAAAAAAAAAAAAAAAAAAkUAAAAAQAAABQAAAAUAAAAFAAAAAEAAAAAAAAAZAAAAGQAAAAAAAAAZAAAAGQAAAAVAAAAYAAAAAAAAAAAAAAADwAAACADAAAAAAAAAAAAAAEAAACgMgAAVgcAAKr4//8BAAAAf39/AAEAAABkAAAAAAAAABQAAABAHwAAAAAAACYAAAAAAAAAwOD//wAAAAAmAAAAZAAAABYAAABMAAAAAAAAAAAAAAAEAAAAAAAAAAEAAACAgIAKAAAAACgAAAAoAAAAZAAAAGQAAAAAAAAAzMzMAAAAAABQAAAAUAAAAGQAAABkAAAAAAAAABcAAAAUAAAAAAAAAAAAAAD/fwAA/38AAAAAAAAJAAAABAAAAAAAAAAeAAAAaAAAAAAAAAAAAAAAAAAAAAAAAAAAAAAAECcAABAnAAAAAAAAAAAAAAAAAAAAAAAAAAAAAAAAAAAAAAAAAAAAABQAAAAAAAAAwMD/AAAAAABkAAAAMgAAAAAAAABkAAAAAAAAAH9/fwAKAAAAIgAAABgAAAAAAAAAAAAAAAAAAAAAAAAAAAAAAAAAAAAkAAAAJAAAAAAAAAAHAAAAAAAAAAAAAAAAAAAAAAAAAAAAAAAAAAAAf39/ACUAAABYAAAAAAAAAAAAAAAAAAAAAAAAAAAAAAAAAAAAAAAAAAAAAAAAAAAAAAAAAAAAAAA/AAAAAAAAAKCGAQAAAAAAAAAAAAAAAAAMAAAAAQAAAAAAAAAAAAAAAAAAAB8AAABUAAAAAAAABQAAAAEAAAAAAAAAAAAAAAAAAAAAAAAAAAAAAAAAAAAAAAAAAAAAAAJ/f38AAAAAA8zMzADAwP8Af39/AAAAAAAAAAAAAAAAAAAAAAAAAAAAIQAAABgAAAAUAAAAoAUAABoNAABgRQAAJhYAABAAAAAmAAAACAAAAAAAAAAAAAAA"/>
               </a:ext>
             </a:extLst>
           </p:cNvSpPr>
@@ -3704,6 +3726,7 @@
           <a:bodyPr/>
           <a:lstStyle/>
           <a:p>
+            <a:pPr/>
             <a:r>
               <a:t>AI PyTorch</a:t>
             </a:r>
@@ -3717,7 +3740,7 @@
             <a:spLocks noGrp="1" noChangeArrowheads="1"/>
             <a:extLst>
               <a:ext uri="smNativeData">
-                <pr:smNativeData xmlns="smNativeData" xmlns:pr="smNativeData" xmlns:p15="http://schemas.microsoft.com/office/powerpoint/2012/main" xmlns:p14="http://schemas.microsoft.com/office/powerpoint/2010/main" xmlns:mc="http://schemas.openxmlformats.org/markup-compatibility/2006" val="SMDATA_15_wwJCaRMAAAAlAAAAZAAAAA8BAAAAkAAAAEgAAACQAAAASAAAAAAAAAAAAAAAAAAAAAEAAABQAAAAAAAAAAAA4D8AAAAAAADgPwAAAAAAAOA/AAAAAAAA4D8AAAAAAADgPwAAAAAAAOA/AAAAAAAA4D8AAAAAAADgPwAAAAAAAOA/AAAAAAAA4D8CAAAAjAAAAAAAAAAAAAAAu+DjDP///wgAAAAAAAAAAAAAAAAAAAAAAAAAAAAAAAAAAAAAZAAAAAEAAABAAAAAAAAAAAAAAAAAAAAAAAAAAAAAAAAAAAAAAAAAAAAAAAAAAAAAAAAAAAAAAAAAAAAAAAAAAAAAAAAAAAAAAAAAAAAAAAAAAAAAAAAAAAAAAAAAAAAAFAAAADwAAAAAAAAAAAAAAAAAAAkUAAAAAQAAABQAAAAUAAAAFAAAAAEAAAAAAAAAZAAAAGQAAAAAAAAAZAAAAGQAAAAVAAAAYAAAAAAAAAAAAAAADwAAACADAAAAAAAAAAAAAAEAAACgMgAAVgcAAKr4//8BAAAAf39/AAEAAABkAAAAAAAAABQAAABAHwAAAAAAACYAAAAAAAAAwOD//wAAAAAmAAAAZAAAABYAAABMAAAAAAAAAAAAAAAEAAAAAAAAAAEAAACAgIAKAAAAACgAAAAoAAAAZAAAAGQAAAAAAAAAzMzMAAAAAABQAAAAUAAAAGQAAABkAAAAAAAAABcAAAAUAAAAAAAAAAAAAAD/fwAA/38AAAAAAAAJAAAABAAAAAAAAAAeAAAAaAAAAAAAAAAAAAAAAAAAAAAAAAAAAAAAECcAABAnAAAAAAAAAAAAAAAAAAAAAAAAAAAAAAAAAAAAAAAAAAAAABQAAAAAAAAAwMD/AAAAAABkAAAAMgAAAAAAAABkAAAAAAAAAH9/fwAKAAAAIgAAABgAAAAAAAAAAAAAAAAAAAAAAAAAAAAAAAAAAAAkAAAAJAAAAAAAAAAHAAAAAAAAAAAAAAAAAAAAAAAAAAAAAAAAAAAAf39/ACUAAABYAAAAAAAAAAAAAAAAAAAAAAAAAAAAAAAAAAAAAAAAAAAAAAAAAAAAAAAAAAAAAAA/AAAAAAAAAKCGAQAAAAAAAAAAAAAAAAAMAAAAAQAAAAAAAAAAAAAAAAAAAB8AAABUAAAAAAAABQAAAAEAAAAAAAAAAAAAAAAAAAAAAAAAAAAAAAAAAAAAAAAAAAAAAAJ/f38AAAAAA8zMzADAwP8Af39/AAAAAAAAAAAAAAAAAAAAAAAAAAAAIQAAABgAAAAUAAAAQAsAAOgXAADAPwAAsCIAABAAAAAmAAAACAAAAAAAAAAAAAAA"/>
+                <pr:smNativeData xmlns:pr="smNativeData" xmlns="smNativeData" val="SMDATA_15_SSBGaRMAAAAlAAAAZAAAAA0AAAAAkAAAAEgAAACQAAAASAAAAAAAAAAAAAAAAAAAAAEAAABQAAAAAAAAAAAA4D8AAAAAAADgPwAAAAAAAOA/AAAAAAAA4D8AAAAAAADgPwAAAAAAAOA/AAAAAAAA4D8AAAAAAADgPwAAAAAAAOA/AAAAAAAA4D8CAAAAjAAAAAAAAAAAAAAAu+DjDP///wgAAAAAAAAAAAAAAAAAAAAAAAAAAAAAAAAAAAAAZAAAAAEAAABAAAAAAAAAAAAAAAAAAAAAAAAAAAAAAAAAAAAAAAAAAAAAAAAAAAAAAAAAAAAAAAAAAAAAAAAAAAAAAAAAAAAAAAAAAAAAAAAAAAAAAAAAAAAAAAAAAAAAFAAAADwAAAAAAAAAAAAAAAAAAAkUAAAAAQAAABQAAAAUAAAAFAAAAAEAAAAAAAAAZAAAAGQAAAAAAAAAZAAAAGQAAAAVAAAAYAAAAAAAAAAAAAAADwAAACADAAAAAAAAAAAAAAEAAACgMgAAVgcAAKr4//8BAAAAf39/AAEAAABkAAAAAAAAABQAAABAHwAAAAAAACYAAAAAAAAAwOD//wAAAAAmAAAAZAAAABYAAABMAAAAAAAAAAAAAAAEAAAAAAAAAAEAAACAgIAKAAAAACgAAAAoAAAAZAAAAGQAAAAAAAAAzMzMAAAAAABQAAAAUAAAAGQAAABkAAAAAAAAABcAAAAUAAAAAAAAAAAAAAD/fwAA/38AAAAAAAAJAAAABAAAAAAAAAAeAAAAaAAAAAAAAAAAAAAAAAAAAAAAAAAAAAAAECcAABAnAAAAAAAAAAAAAAAAAAAAAAAAAAAAAAAAAAAAAAAAAAAAABQAAAAAAAAAwMD/AAAAAABkAAAAMgAAAAAAAABkAAAAAAAAAH9/fwAKAAAAIgAAABgAAAAAAAAAAAAAAAAAAAAAAAAAAAAAAAAAAAAkAAAAJAAAAAAAAAAHAAAAAAAAAAAAAAAAAAAAAAAAAAAAAAAAAAAAf39/ACUAAABYAAAAAAAAAAAAAAAAAAAAAAAAAAAAAAAAAAAAAAAAAAAAAAAAAAAAAAAAAAAAAAA/AAAAAAAAAKCGAQAAAAAAAAAAAAAAAAAMAAAAAQAAAAAAAAAAAAAAAAAAAB8AAABUAAAAAAAABQAAAAEAAAAAAAAAAAAAAAAAAAAAAAAAAAAAAAAAAAAAAAAAAAAAAAJ/f38AAAAAA8zMzADAwP8Af39/AAAAAAAAAAAAAAAAAAAAAAAAAAAAIQAAABgAAAAUAAAAQAsAAOgXAADAPwAAsCIAABAAAAAmAAAACAAAAAAAAAAAAAAA"/>
               </a:ext>
             </a:extLst>
           </p:cNvSpPr>
@@ -3730,7 +3753,456 @@
           <a:bodyPr/>
           <a:lstStyle/>
           <a:p>
-            <a:endParaRPr/>
+            <a:pPr/>
+          </a:p>
+        </p:txBody>
+      </p:sp>
+    </p:spTree>
+  </p:cSld>
+  <p:clrMapOvr>
+    <a:masterClrMapping/>
+  </p:clrMapOvr>
+  <p:timing>
+    <p:tnLst>
+      <p:par>
+        <p:cTn id="1" dur="indefinite" restart="never" nodeType="tmRoot"/>
+      </p:par>
+    </p:tnLst>
+  </p:timing>
+</p:sld>
+</file>
+
+<file path=ppt/slides/slide10.xml><?xml version="1.0" encoding="utf-8"?>
+<p:sld xmlns:p="http://schemas.openxmlformats.org/presentationml/2006/main" xmlns:mc="http://schemas.openxmlformats.org/markup-compatibility/2006" xmlns:p14="http://schemas.microsoft.com/office/powerpoint/2010/main" xmlns:p15="http://schemas.microsoft.com/office/powerpoint/2012/main" xmlns:r="http://schemas.openxmlformats.org/officeDocument/2006/relationships" xmlns:a="http://schemas.openxmlformats.org/drawingml/2006/main" mc:Ignorable="p14">
+  <p:cSld>
+    <p:spTree>
+      <p:nvGrpSpPr>
+        <p:cNvPr id="1" name=""/>
+        <p:cNvGrpSpPr/>
+        <p:nvPr/>
+      </p:nvGrpSpPr>
+      <p:grpSpPr>
+        <a:xfrm>
+          <a:off x="0" y="0"/>
+          <a:ext cx="0" cy="0"/>
+          <a:chOff x="0" y="0"/>
+          <a:chExt cx="0" cy="0"/>
+        </a:xfrm>
+      </p:grpSpPr>
+      <p:sp>
+        <p:nvSpPr>
+          <p:cNvPr id="2" name="SlideTitle1"/>
+          <p:cNvSpPr>
+            <a:spLocks noGrp="1" noChangeArrowheads="1"/>
+            <a:extLst>
+              <a:ext uri="smNativeData">
+                <pr:smNativeData xmlns:pr="smNativeData" xmlns="smNativeData" val="SMDATA_15_SSBGaRMAAAAlAAAAZAAAAA0AAAAAkAAAAEgAAACQAAAASAAAAAAAAAABAAAAAAAAAAEAAABQAAAAAAAAAAAA4D8AAAAAAADgPwAAAAAAAOA/AAAAAAAA4D8AAAAAAADgPwAAAAAAAOA/AAAAAAAA4D8AAAAAAADgPwAAAAAAAOA/AAAAAAAA4D8CAAAAjAAAAAAAAAAAAAAAu+DjDP///wgAAAAAAAAAAAAAAAAAAAAAAAAAAAAAAAAAAAAAZAAAAAEAAABAAAAAAAAAAAAAAAAAAAAAAAAAAAAAAAAAAAAAAAAAAAAAAAAAAAAAAAAAAAAAAAAAAAAAAAAAAAAAAAAAAAAAAAAAAAAAAAAAAAAAAAAAAAAAAAAAAAAAFAAAADwAAAAAAAAAAAAAAAAAAAkUAAAAAQAAABQAAAAUAAAAFAAAAAEAAAAAAAAAZAAAAGQAAAAAAAAAZAAAAGQAAAAVAAAAYAAAAAAAAAAAAAAADwAAACADAAAAAAAAAAAAAAEAAACgMgAAVgcAAKr4//8BAAAAf39/AAEAAABkAAAAAAAAABQAAABAHwAAAAAAACYAAAAAAAAAwOD//wAAAAAmAAAAZAAAABYAAABMAAAAAAAAAAAAAAAEAAAAAAAAAAEAAACAgIAKAAAAACgAAAAoAAAAZAAAAGQAAAAAAAAAzMzMAAAAAABQAAAAUAAAAGQAAABkAAAAAAAAABcAAAAUAAAAAAAAAAAAAAD/fwAA/38AAAAAAAAJAAAABAAAAAAAAAAeAAAAaAAAAAAAAAAAAAAAAAAAAAAAAAAAAAAAECcAABAnAAAAAAAAAAAAAAAAAAAAAAAAAAAAAAAAAAAAAAAAAAAAABQAAAAAAAAAwMD/AAAAAABkAAAAMgAAAAAAAABkAAAAAAAAAH9/fwAKAAAAIgAAABgAAAAAAAAAAAAAAAAAAAAAAAAAAAAAAAAAAAAkAAAAJAAAAAAAAAAHAAAAAAAAAAAAAAAAAAAAAAAAAAAAAAAAAAAAf39/ACUAAABYAAAAAAAAAAAAAAAAAAAAAAAAAAAAAAAAAAAAAAAAAAAAAAAAAAAAAAAAAAAAAAA/AAAAAAAAAKCGAQAAAAAAAAAAAAAAAAAMAAAAAQAAAAAAAAAAAAAAAAAAAB8AAABUAAAAAAAABQAAAAEAAAAAAAAAAAAAAAAAAAAAAAAAAAAAAAAAAAAAAAAAAAAAAAJ/f38AAAAAA8zMzADAwP8Af39/AAAAAAAAAAAAAAAAAAAAAAAAAAAAIQAAABgAAAAUAAAAwAMAALABAABARwAAuAgAAAAAAAAmAAAACAAAAAEAAAAAAAAA"/>
+              </a:ext>
+            </a:extLst>
+          </p:cNvSpPr>
+          <p:nvPr>
+            <p:ph type="title"/>
+          </p:nvPr>
+        </p:nvSpPr>
+        <p:spPr>
+          <a:xfrm>
+            <a:off x="609600" y="274320"/>
+            <a:ext cx="10972800" cy="1143000"/>
+          </a:xfrm>
+        </p:spPr>
+        <p:txBody>
+          <a:bodyPr/>
+          <a:lstStyle/>
+          <a:p>
+            <a:pPr/>
+            <a:r>
+              <a:t>CNN = Convolutional Neural Net</a:t>
+            </a:r>
+          </a:p>
+        </p:txBody>
+      </p:sp>
+      <p:sp>
+        <p:nvSpPr>
+          <p:cNvPr id="3" name="SlideText1"/>
+          <p:cNvSpPr>
+            <a:spLocks noGrp="1" noChangeArrowheads="1"/>
+            <a:extLst>
+              <a:ext uri="smNativeData">
+                <pr:smNativeData xmlns:pr="smNativeData" xmlns="smNativeData" val="SMDATA_15_SSBGaRMAAAAlAAAAZAAAAA0AAAAAkAAAAEgAAACQAAAASAAAAAAAAAAAAAAAAAAAAAEAAABQAAAAAAAAAAAA4D8AAAAAAADgPwAAAAAAAOA/AAAAAAAA4D8AAAAAAADgPwAAAAAAAOA/AAAAAAAA4D8AAAAAAADgPwAAAAAAAOA/AAAAAAAA4D8CAAAAjAAAAAAAAAAAAAAAu+DjDP///wgAAAAAAAAAAAAAAAAAAAAAAAAAAAAAAAAAAAAAZAAAAAEAAABAAAAAAAAAAAAAAAAAAAAAAAAAAAAAAAAAAAAAAAAAAAAAAAAAAAAAAAAAAAAAAAAAAAAAAAAAAAAAAAAAAAAAAAAAAAAAAAAAAAAAAAAAAAAAAAAAAAAAFAAAADwAAAAAAAAAAAAAAAAAAAkUAAAAAQAAABQAAAAUAAAAFAAAAAEAAAAAAAAAZAAAAGQAAAAAAAAAZAAAAGQAAAAVAAAAYAAAAAAAAAAAAAAADwAAACADAAAAAAAAAAAAAAEAAACgMgAAVgcAAKr4//8BAAAAf39/AAEAAABkAAAAAAAAABQAAABAHwAAAAAAACYAAAAAAAAAwOD//wAAAAAmAAAAZAAAABYAAABMAAAAAAAAAAAAAAAEAAAAAAAAAAEAAACAgIAKAAAAACgAAAAoAAAAZAAAAGQAAAAAAAAAzMzMAAAAAABQAAAAUAAAAGQAAABkAAAAAAAAABcAAAAUAAAAAAAAAAAAAAD/fwAA/38AAAAAAAAJAAAABAAAAF8AYAAeAAAAaAAAAAAAAAAAAAAAAAAAAAAAAAAAAAAAECcAABAnAAAAAAAAAAAAAAAAAAAAAAAAAAAAAAAAAAAAAAAAAAAAABQAAAAAAAAAwMD/AAAAAABkAAAAMgAAAAAAAABkAAAAAAAAAH9/fwAKAAAAIgAAABgAAAAAAAAAAAAAAAAAAAAAAAAAAAAAAAAAAAAkAAAAJAAAAAAAAAAHAAAAAAAAAAAAAAAAAAAAAAAAAAAAAAAAAAAAf39/ACUAAABYAAAAAAAAAAAAAAAAAAAAAAAAAAAAAAAAAAAAAAAAAAAAAAAAAAAAAAAAAAAAAAA/AAAAAAAAAKCGAQAAAAAAAAAAAAAAAAAMAAAAAQAAAAAAAAAAAAAAAAAAAB8AAABUAAAAAAAABQAAAAEAAAAAAAAAAAAAAAAAAAAAAAAAAAAAAAAAAAAAAAAAAAAAAAJ/f38AAAAAA8zMzADAwP8Af39/AAAAAAAAAAAAAAAAAAAAAAAAAAAAIQAAABgAAAAUAAAAwAMAANgJAABARwAAsCUAAAAAAAAmAAAACAAAAAEAAAAAAAAA"/>
+              </a:ext>
+            </a:extLst>
+          </p:cNvSpPr>
+          <p:nvPr>
+            <p:ph type="body" idx="1"/>
+          </p:nvPr>
+        </p:nvSpPr>
+        <p:spPr>
+          <a:xfrm>
+            <a:off x="609600" y="1600200"/>
+            <a:ext cx="10972800" cy="4526280"/>
+          </a:xfrm>
+        </p:spPr>
+        <p:txBody>
+          <a:bodyPr/>
+          <a:lstStyle/>
+          <a:p>
+            <a:pPr>
+              <a:defRPr sz="2800" cap="none"/>
+            </a:pPr>
+            <a:r>
+              <a:t>Convolution combines two math functions to produce a third</a:t>
+            </a:r>
+          </a:p>
+          <a:p>
+            <a:pPr lvl="1">
+              <a:defRPr sz="2400" cap="none"/>
+            </a:pPr>
+            <a:r>
+              <a:t>Conv2D is used for 2D-image convolution</a:t>
+            </a:r>
+          </a:p>
+          <a:p>
+            <a:pPr>
+              <a:defRPr sz="2800" cap="none"/>
+            </a:pPr>
+            <a:r>
+              <a:t>In image recognition, images are filtered for various features</a:t>
+            </a:r>
+          </a:p>
+          <a:p>
+            <a:pPr lvl="1">
+              <a:defRPr sz="2400" cap="none"/>
+            </a:pPr>
+            <a:r>
+              <a:t>Kernels = learnable filters that are adjusted during training</a:t>
+            </a:r>
+          </a:p>
+          <a:p>
+            <a:pPr lvl="1">
+              <a:defRPr sz="2400" cap="none"/>
+            </a:pPr>
+            <a:r>
+              <a:t>Detect on the filtered image (ReLU)</a:t>
+            </a:r>
+          </a:p>
+          <a:p>
+            <a:pPr>
+              <a:defRPr sz="2800" cap="none"/>
+            </a:pPr>
+            <a:r>
+              <a:t>The filters/kernels are slid over the input image to create a product at each position, followed by summation to produce an output feature map</a:t>
+            </a:r>
+          </a:p>
+          <a:p>
+            <a:pPr>
+              <a:defRPr sz="2800" cap="none"/>
+            </a:pPr>
+            <a:r>
+              <a:t>bias = offsets or shift adjustment</a:t>
+            </a:r>
+          </a:p>
+          <a:p>
+            <a:pPr>
+              <a:defRPr sz="2800" cap="none"/>
+            </a:pPr>
+            <a:r>
+              <a:t>CNN usually uses multiple filters simultaneously</a:t>
+            </a:r>
+          </a:p>
+          <a:p>
+            <a:pPr lvl="1">
+              <a:defRPr sz="2400" cap="none"/>
+            </a:pPr>
+            <a:r>
+              <a:t>Many features in each layer</a:t>
+            </a:r>
+          </a:p>
+          <a:p>
+            <a:pPr lvl="1"/>
+            <a:r>
+              <a:rPr sz="2400" cap="none"/>
+              <a:t>Many layers allow complex heirarchical combos of features</a:t>
+            </a:r>
+          </a:p>
+          <a:p>
+            <a:pPr lvl="1"/>
+          </a:p>
+        </p:txBody>
+      </p:sp>
+    </p:spTree>
+  </p:cSld>
+  <p:clrMapOvr>
+    <a:masterClrMapping/>
+  </p:clrMapOvr>
+  <p:timing>
+    <p:tnLst>
+      <p:par>
+        <p:cTn id="1" dur="indefinite" restart="never" nodeType="tmRoot"/>
+      </p:par>
+    </p:tnLst>
+  </p:timing>
+</p:sld>
+</file>
+
+<file path=ppt/slides/slide11.xml><?xml version="1.0" encoding="utf-8"?>
+<p:sld xmlns:p="http://schemas.openxmlformats.org/presentationml/2006/main" xmlns:mc="http://schemas.openxmlformats.org/markup-compatibility/2006" xmlns:p14="http://schemas.microsoft.com/office/powerpoint/2010/main" xmlns:p15="http://schemas.microsoft.com/office/powerpoint/2012/main" xmlns:r="http://schemas.openxmlformats.org/officeDocument/2006/relationships" xmlns:a="http://schemas.openxmlformats.org/drawingml/2006/main" mc:Ignorable="p14">
+  <p:cSld>
+    <p:spTree>
+      <p:nvGrpSpPr>
+        <p:cNvPr id="1" name=""/>
+        <p:cNvGrpSpPr/>
+        <p:nvPr/>
+      </p:nvGrpSpPr>
+      <p:grpSpPr>
+        <a:xfrm>
+          <a:off x="0" y="0"/>
+          <a:ext cx="0" cy="0"/>
+          <a:chOff x="0" y="0"/>
+          <a:chExt cx="0" cy="0"/>
+        </a:xfrm>
+      </p:grpSpPr>
+      <p:sp>
+        <p:nvSpPr>
+          <p:cNvPr id="2" name="SlideTitle1"/>
+          <p:cNvSpPr>
+            <a:spLocks noGrp="1" noChangeArrowheads="1"/>
+            <a:extLst>
+              <a:ext uri="smNativeData">
+                <pr:smNativeData xmlns:pr="smNativeData" xmlns="smNativeData" val="SMDATA_15_SSBGaRMAAAAlAAAAZAAAAA0AAAAAkAAAAEgAAACQAAAASAAAAAAAAAABAAAAAAAAAAEAAABQAAAAAAAAAAAA4D8AAAAAAADgPwAAAAAAAOA/AAAAAAAA4D8AAAAAAADgPwAAAAAAAOA/AAAAAAAA4D8AAAAAAADgPwAAAAAAAOA/AAAAAAAA4D8CAAAAjAAAAAAAAAAAAAAAu+DjDP///wgAAAAAAAAAAAAAAAAAAAAAAAAAAAAAAAAAAAAAZAAAAAEAAABAAAAAAAAAAAAAAAAAAAAAAAAAAAAAAAAAAAAAAAAAAAAAAAAAAAAAAAAAAAAAAAAAAAAAAAAAAAAAAAAAAAAAAAAAAAAAAAAAAAAAAAAAAAAAAAAAAAAAFAAAADwAAAAAAAAAAAAAAAAAAAkUAAAAAQAAABQAAAAUAAAAFAAAAAEAAAAAAAAAZAAAAGQAAAAAAAAAZAAAAGQAAAAVAAAAYAAAAAAAAAAAAAAADwAAACADAAAAAAAAAAAAAAEAAACgMgAAVgcAAKr4//8BAAAAf39/AAEAAABkAAAAAAAAABQAAABAHwAAAAAAACYAAAAAAAAAwOD//wAAAAAmAAAAZAAAABYAAABMAAAAAAAAAAAAAAAEAAAAAAAAAAEAAACAgIAKAAAAACgAAAAoAAAAZAAAAGQAAAAAAAAAzMzMAAAAAABQAAAAUAAAAGQAAABkAAAAAAAAABcAAAAUAAAAAAAAAAAAAAD/fwAA/38AAAAAAAAJAAAABAAAAF8AYAAeAAAAaAAAAAAAAAAAAAAAAAAAAAAAAAAAAAAAECcAABAnAAAAAAAAAAAAAAAAAAAAAAAAAAAAAAAAAAAAAAAAAAAAABQAAAAAAAAAwMD/AAAAAABkAAAAMgAAAAAAAABkAAAAAAAAAH9/fwAKAAAAIgAAABgAAAAAAAAAAAAAAAAAAAAAAAAAAAAAAAAAAAAkAAAAJAAAAAAAAAAHAAAAAAAAAAAAAAAAAAAAAAAAAAAAAAAAAAAAf39/ACUAAABYAAAAAAAAAAAAAAAAAAAAAAAAAAAAAAAAAAAAAAAAAAAAAAAAAAAAAAAAAAAAAAA/AAAAAAAAAKCGAQAAAAAAAAAAAAAAAAAMAAAAAQAAAAAAAAAAAAAAAAAAAB8AAABUAAAAAAAABQAAAAEAAAAAAAAAAAAAAAAAAAAAAAAAAAAAAAAAAAAAAAAAAAAAAAJ/f38AAAAAA8zMzADAwP8Af39/AAAAAAAAAAAAAAAAAAAAAAAAAAAAIQAAABgAAAAUAAAAwAMAALABAABARwAAuAgAAAAAAAAmAAAACAAAAAEAAAAAAAAA"/>
+              </a:ext>
+            </a:extLst>
+          </p:cNvSpPr>
+          <p:nvPr>
+            <p:ph type="title"/>
+          </p:nvPr>
+        </p:nvSpPr>
+        <p:spPr>
+          <a:xfrm>
+            <a:off x="609600" y="274320"/>
+            <a:ext cx="10972800" cy="1143000"/>
+          </a:xfrm>
+        </p:spPr>
+        <p:txBody>
+          <a:bodyPr/>
+          <a:lstStyle/>
+          <a:p>
+            <a:pPr/>
+            <a:r>
+              <a:t>ReLU function</a:t>
+            </a:r>
+          </a:p>
+          <a:p>
+            <a:pPr/>
+            <a:r>
+              <a:t>Rectified Linear Unit</a:t>
+            </a:r>
+          </a:p>
+        </p:txBody>
+      </p:sp>
+      <p:sp>
+        <p:nvSpPr>
+          <p:cNvPr id="3" name="SlideText1"/>
+          <p:cNvSpPr>
+            <a:spLocks noGrp="1" noChangeArrowheads="1"/>
+            <a:extLst>
+              <a:ext uri="smNativeData">
+                <pr:smNativeData xmlns:pr="smNativeData" xmlns="smNativeData" val="SMDATA_15_SSBGaRMAAAAlAAAAZAAAAA0AAAAAkAAAAEgAAACQAAAASAAAAAAAAAAAAAAAAAAAAAEAAABQAAAAAAAAAAAA4D8AAAAAAADgPwAAAAAAAOA/AAAAAAAA4D8AAAAAAADgPwAAAAAAAOA/AAAAAAAA4D8AAAAAAADgPwAAAAAAAOA/AAAAAAAA4D8CAAAAjAAAAAAAAAAAAAAAu+DjDP///wgAAAAAAAAAAAAAAAAAAAAAAAAAAAAAAAAAAAAAZAAAAAEAAABAAAAAAAAAAAAAAAAAAAAAAAAAAAAAAAAAAAAAAAAAAAAAAAAAAAAAAAAAAAAAAAAAAAAAAAAAAAAAAAAAAAAAAAAAAAAAAAAAAAAAAAAAAAAAAAAAAAAAFAAAADwAAAAAAAAAAAAAAAAAAAkUAAAAAQAAABQAAAAUAAAAFAAAAAEAAAAAAAAAZAAAAGQAAAAAAAAAZAAAAGQAAAAVAAAAYAAAAAAAAAAAAAAADwAAACADAAAAAAAAAAAAAAEAAACgMgAAVgcAAKr4//8BAAAAf39/AAEAAABkAAAAAAAAABQAAABAHwAAAAAAACYAAAAAAAAAwOD//wAAAAAmAAAAZAAAABYAAABMAAAAAAAAAAAAAAAEAAAAAAAAAAEAAACAgIAKAAAAACgAAAAoAAAAZAAAAGQAAAAAAAAAzMzMAAAAAABQAAAAUAAAAGQAAABkAAAAAAAAABcAAAAUAAAAAAAAAAAAAAD/fwAA/38AAAAAAAAJAAAABAAAAF8AYAAeAAAAaAAAAAAAAAAAAAAAAAAAAAAAAAAAAAAAECcAABAnAAAAAAAAAAAAAAAAAAAAAAAAAAAAAAAAAAAAAAAAAAAAABQAAAAAAAAAwMD/AAAAAABkAAAAMgAAAAAAAABkAAAAAAAAAH9/fwAKAAAAIgAAABgAAAAAAAAAAAAAAAAAAAAAAAAAAAAAAAAAAAAkAAAAJAAAAAAAAAAHAAAAAAAAAAAAAAAAAAAAAAAAAAAAAAAAAAAAf39/ACUAAABYAAAAAAAAAAAAAAAAAAAAAAAAAAAAAAAAAAAAAAAAAAAAAAAAAAAAAAAAAAAAAAA/AAAAAAAAAKCGAQAAAAAAAAAAAAAAAAAMAAAAAQAAAAAAAAAAAAAAAAAAAB8AAABUAAAAAAAABQAAAAEAAAAAAAAAAAAAAAAAAAAAAAAAAAAAAAAAAAAAAAAAAAAAAAJ/f38AAAAAA8zMzADAwP8Af39/AAAAAAAAAAAAAAAAAAAAAAAAAAAAIQAAABgAAAAUAAAAwAMAANgJAAARRwAAihIAAAAAAAAmAAAACAAAAAEAAAAAAAAA"/>
+              </a:ext>
+            </a:extLst>
+          </p:cNvSpPr>
+          <p:nvPr>
+            <p:ph type="body" idx="1"/>
+          </p:nvPr>
+        </p:nvSpPr>
+        <p:spPr>
+          <a:xfrm>
+            <a:off x="609600" y="1600200"/>
+            <a:ext cx="10942955" cy="1413510"/>
+          </a:xfrm>
+        </p:spPr>
+        <p:txBody>
+          <a:bodyPr/>
+          <a:lstStyle/>
+          <a:p>
+            <a:pPr/>
+            <a:r>
+              <a:t>Introduces non-linear element to learn complex non-linear relationships</a:t>
+            </a:r>
+          </a:p>
+          <a:p>
+            <a:pPr/>
+            <a:r>
+              <a:t>Simple function: ReLU(x) = max(0, x)</a:t>
+            </a:r>
+          </a:p>
+          <a:p>
+            <a:pPr/>
+            <a:r>
+              <a:t>ReLU variants:</a:t>
+            </a:r>
+          </a:p>
+          <a:p>
+            <a:pPr lvl="1"/>
+            <a:r>
+              <a:t>Leaky ReLU() = max(alpha*x, x). Small slope for negative part.</a:t>
+            </a:r>
+          </a:p>
+          <a:p>
+            <a:pPr lvl="1"/>
+            <a:r>
+              <a:t>Parametric ReLU - has slope that is learned during training</a:t>
+            </a:r>
+          </a:p>
+          <a:p>
+            <a:pPr lvl="1"/>
+            <a:r>
+              <a:t>Exponential Linear ELU - for very small inputs</a:t>
+            </a:r>
+          </a:p>
+          <a:p>
+            <a:pPr/>
+          </a:p>
+        </p:txBody>
+      </p:sp>
+      <p:pic>
+        <p:nvPicPr>
+          <p:cNvPr id="4" name="Picture1"/>
+          <p:cNvPicPr>
+            <a:picLocks noChangeAspect="1"/>
+            <a:extLst>
+              <a:ext uri="smNativeData">
+                <pr:smNativeData xmlns:pr="smNativeData" xmlns="smNativeData" val="SMDATA_17_SSBGaRMAAAAlAAAAEQAAAC8BAAAAkAAAAEgAAACQAAAASAAAAAAAAAAAAAAAAAAAAAEAAABQAAAAAAAAAAAA4D8AAAAAAADgPwAAAAAAAOA/AAAAAAAA4D8AAAAAAADgPwAAAAAAAOA/AAAAAAAA4D8AAAAAAADgPwAAAAAAAOA/AAAAAAAA4D8CAAAAjAAAAAAAAAAAAAAAu+DjDP///wgAAAAAAAAAAAAAAAAAAAAAAAAAAAAAAAAAAAAAZAAAAAEAAABAAAAAAAAAAAAAAAAAAAAAAAAAAAAAAAAAAAAAAAAAAAAAAAAAAAAAAAAAAAAAAAAAAAAAAAAAAAAAAAAAAAAAAAAAAAAAAAAAAAAAAAAAAAAAAAAAAAAAFAAAADwAAAAAAAAAAAAAAAAAAAkUAAAAAQAAABQAAAAUAAAAFAAAAAEAAAAAAAAAZAAAAGQAAAAAAAAAZAAAAGQAAAAVAAAAYAAAAAAAAAAAAAAADwAAACADAAAAAAAAAAAAAAEAAACgMgAAVgcAAKr4//8BAAAAf39/AAEAAABkAAAAAAAAABQAAABAHwAAAAAAACYAAAAAAAAAwOD//wAAAAAmAAAAZAAAABYAAABMAAAAAAAAAAAAAAAEAAAAAAAAAAEAAACAgIAKAAAAACgAAAAoAAAAZAAAAGQAAAAAAAAAzMzMAAAAAABQAAAAUAAAAGQAAABkAAAAAAAAAAcAAAA4AAAAAAAAAAAAAAAAAAAA////AAAAAAAAAAAAAAAAAAAAAAAAAAAAAAAAAAAAAABkAAAAZAAAAAAAAAAjAAAABAAAAGQAAAAXAAAAFAAAAAAAAAAAAAAA/38AAP9/AAAAAAAACQAAAAQAAADXMc/nHgAAAGgAAAAAAAAAAAAAAAAAAAAAAAAAAAAAABAnAAAQJwAAAAAAAAAAAAAAAAAAAAAAAAAAAAAAAAAAAAAAAAAAAAAUAAAAAAAAAMDA/wAAAAAAZAAAADIAAAAAAAAAZAAAAAAAAAB/f38ACgAAACIAAAAYAAAAAAAAAAAAAAAAAAAAAAAAAAAAAAAAAAAAJAAAACQAAAAAAAAABwAAAAAAAAAAAAAAAAAAAAAAAAAAAAAAAAAAAH9/fwAlAAAAWAAAAAAAAAAAAAAAAAAAAAAAAAAAAAAAAAAAAAAAAAAAAAAAAAAAAAAAAAAAAAAAPwAAAAAAAACghgEAAAAAAAAAAAAAAAAADAAAAAEAAAAAAAAAAAAAAAAAAAAfAAAAVAAAALvg4wX///8BAAAAAAAAAAAAAAAAAAAAAAAAAAAAAAAAAAAAAAAAAAAAAAACf39/AICAgAPMzMwAwMD/AH9/fwAAAAAAAAAAAAAAAAD///8AAAAAACEAAAAYAAAAFAAAACITAAC4FgAAyi4AANgmAAAAAAAAJgAAAAgAAAD//////////w=="/>
+              </a:ext>
+            </a:extLst>
+          </p:cNvPicPr>
+          <p:nvPr/>
+        </p:nvPicPr>
+        <p:blipFill>
+          <a:blip r:embed="rId2"/>
+          <a:stretch>
+            <a:fillRect/>
+          </a:stretch>
+        </p:blipFill>
+        <p:spPr>
+          <a:xfrm>
+            <a:off x="3110230" y="3693160"/>
+            <a:ext cx="4495800" cy="2621280"/>
+          </a:xfrm>
+          <a:prstGeom prst="rect">
+            <a:avLst/>
+          </a:prstGeom>
+          <a:noFill/>
+          <a:ln>
+            <a:noFill/>
+          </a:ln>
+          <a:effectLst/>
+        </p:spPr>
+      </p:pic>
+    </p:spTree>
+  </p:cSld>
+  <p:clrMapOvr>
+    <a:masterClrMapping/>
+  </p:clrMapOvr>
+  <p:timing>
+    <p:tnLst>
+      <p:par>
+        <p:cTn id="1" dur="indefinite" restart="never" nodeType="tmRoot"/>
+      </p:par>
+    </p:tnLst>
+  </p:timing>
+</p:sld>
+</file>
+
+<file path=ppt/slides/slide12.xml><?xml version="1.0" encoding="utf-8"?>
+<p:sld xmlns:p="http://schemas.openxmlformats.org/presentationml/2006/main" xmlns:mc="http://schemas.openxmlformats.org/markup-compatibility/2006" xmlns:p14="http://schemas.microsoft.com/office/powerpoint/2010/main" xmlns:p15="http://schemas.microsoft.com/office/powerpoint/2012/main" xmlns:r="http://schemas.openxmlformats.org/officeDocument/2006/relationships" xmlns:a="http://schemas.openxmlformats.org/drawingml/2006/main" mc:Ignorable="p14">
+  <p:cSld>
+    <p:spTree>
+      <p:nvGrpSpPr>
+        <p:cNvPr id="1" name=""/>
+        <p:cNvGrpSpPr/>
+        <p:nvPr/>
+      </p:nvGrpSpPr>
+      <p:grpSpPr>
+        <a:xfrm>
+          <a:off x="0" y="0"/>
+          <a:ext cx="0" cy="0"/>
+          <a:chOff x="0" y="0"/>
+          <a:chExt cx="0" cy="0"/>
+        </a:xfrm>
+      </p:grpSpPr>
+      <p:sp>
+        <p:nvSpPr>
+          <p:cNvPr id="2" name="SlideTitle1"/>
+          <p:cNvSpPr>
+            <a:spLocks noGrp="1" noChangeArrowheads="1"/>
+            <a:extLst>
+              <a:ext uri="smNativeData">
+                <pr:smNativeData xmlns:pr="smNativeData" xmlns="smNativeData" val="SMDATA_15_SSBGaRMAAAAlAAAAZAAAAA0AAAAAkAAAAEgAAACQAAAASAAAAAAAAAABAAAAAAAAAAEAAABQAAAAAAAAAAAA4D8AAAAAAADgPwAAAAAAAOA/AAAAAAAA4D8AAAAAAADgPwAAAAAAAOA/AAAAAAAA4D8AAAAAAADgPwAAAAAAAOA/AAAAAAAA4D8CAAAAjAAAAAAAAAAAAAAAu+DjDP///wgAAAAAAAAAAAAAAAAAAAAAAAAAAAAAAAAAAAAAZAAAAAEAAABAAAAAAAAAAAAAAAAAAAAAAAAAAAAAAAAAAAAAAAAAAAAAAAAAAAAAAAAAAAAAAAAAAAAAAAAAAAAAAAAAAAAAAAAAAAAAAAAAAAAAAAAAAAAAAAAAAAAAFAAAADwAAAAAAAAAAAAAAAAAAAkUAAAAAQAAABQAAAAUAAAAFAAAAAEAAAAAAAAAZAAAAGQAAAAAAAAAZAAAAGQAAAAVAAAAYAAAAAAAAAAAAAAADwAAACADAAAAAAAAAAAAAAEAAACgMgAAVgcAAKr4//8BAAAAf39/AAEAAABkAAAAAAAAABQAAABAHwAAAAAAACYAAAAAAAAAwOD//wAAAAAmAAAAZAAAABYAAABMAAAAAAAAAAAAAAAEAAAAAAAAAAEAAACAgIAKAAAAACgAAAAoAAAAZAAAAGQAAAAAAAAAzMzMAAAAAABQAAAAUAAAAGQAAABkAAAAAAAAABcAAAAUAAAAAAAAAAAAAAD/fwAA/38AAAAAAAAJAAAABAAAAF8AYAAeAAAAaAAAAAAAAAAAAAAAAAAAAAAAAAAAAAAAECcAABAnAAAAAAAAAAAAAAAAAAAAAAAAAAAAAAAAAAAAAAAAAAAAABQAAAAAAAAAwMD/AAAAAABkAAAAMgAAAAAAAABkAAAAAAAAAH9/fwAKAAAAIgAAABgAAAAAAAAAAAAAAAAAAAAAAAAAAAAAAAAAAAAkAAAAJAAAAAAAAAAHAAAAAAAAAAAAAAAAAAAAAAAAAAAAAAAAAAAAf39/ACUAAABYAAAAAAAAAAAAAAAAAAAAAAAAAAAAAAAAAAAAAAAAAAAAAAAAAAAAAAAAAAAAAAA/AAAAAAAAAKCGAQAAAAAAAAAAAAAAAAAMAAAAAQAAAAAAAAAAAAAAAAAAAB8AAABUAAAAAAAABQAAAAEAAAAAAAAAAAAAAAAAAAAAAAAAAAAAAAAAAAAAAAAAAAAAAAJ/f38AAAAAA8zMzADAwP8Af39/AAAAAAAAAAAAAAAAAAAAAAAAAAAAIQAAABgAAAAUAAAAwAMAALABAABARwAAuAgAAAAAAAAmAAAACAAAAAEAAAAAAAAA"/>
+              </a:ext>
+            </a:extLst>
+          </p:cNvSpPr>
+          <p:nvPr>
+            <p:ph type="title"/>
+          </p:nvPr>
+        </p:nvSpPr>
+        <p:spPr>
+          <a:xfrm>
+            <a:off x="609600" y="274320"/>
+            <a:ext cx="10972800" cy="1143000"/>
+          </a:xfrm>
+        </p:spPr>
+        <p:txBody>
+          <a:bodyPr/>
+          <a:lstStyle/>
+          <a:p>
+            <a:pPr/>
+            <a:r>
+              <a:t>Fully connected layers at end</a:t>
+            </a:r>
+          </a:p>
+          <a:p>
+            <a:pPr/>
+            <a:r>
+              <a:t>for classification or regression tasks</a:t>
+            </a:r>
+          </a:p>
+        </p:txBody>
+      </p:sp>
+      <p:sp>
+        <p:nvSpPr>
+          <p:cNvPr id="3" name="SlideText1"/>
+          <p:cNvSpPr>
+            <a:spLocks noGrp="1" noChangeArrowheads="1"/>
+            <a:extLst>
+              <a:ext uri="smNativeData">
+                <pr:smNativeData xmlns:pr="smNativeData" xmlns="smNativeData" val="SMDATA_15_SSBGaRMAAAAlAAAAZAAAAA0AAAAAkAAAAEgAAACQAAAASAAAAAAAAAAAAAAAAAAAAAEAAABQAAAAAAAAAAAA4D8AAAAAAADgPwAAAAAAAOA/AAAAAAAA4D8AAAAAAADgPwAAAAAAAOA/AAAAAAAA4D8AAAAAAADgPwAAAAAAAOA/AAAAAAAA4D8CAAAAjAAAAAAAAAAAAAAAu+DjDP///wgAAAAAAAAAAAAAAAAAAAAAAAAAAAAAAAAAAAAAZAAAAAEAAABAAAAAAAAAAAAAAAAAAAAAAAAAAAAAAAAAAAAAAAAAAAAAAAAAAAAAAAAAAAAAAAAAAAAAAAAAAAAAAAAAAAAAAAAAAAAAAAAAAAAAAAAAAAAAAAAAAAAAFAAAADwAAAAAAAAAAAAAAAAAAAkUAAAAAQAAABQAAAAUAAAAFAAAAAEAAAAAAAAAZAAAAGQAAAAAAAAAZAAAAGQAAAAVAAAAYAAAAAAAAAAAAAAADwAAACADAAAAAAAAAAAAAAEAAACgMgAAVgcAAKr4//8BAAAAf39/AAEAAABkAAAAAAAAABQAAABAHwAAAAAAACYAAAAAAAAAwOD//wAAAAAmAAAAZAAAABYAAABMAAAAAAAAAAAAAAAEAAAAAAAAAAEAAACAgIAKAAAAACgAAAAoAAAAZAAAAGQAAAAAAAAAzMzMAAAAAABQAAAAUAAAAGQAAABkAAAAAAAAABcAAAAUAAAAAAAAAAAAAAD/fwAA/38AAAAAAAAJAAAABAAAAAAAAAAeAAAAaAAAAAAAAAAAAAAAAAAAAAAAAAAAAAAAECcAABAnAAAAAAAAAAAAAAAAAAAAAAAAAAAAAAAAAAAAAAAAAAAAABQAAAAAAAAAwMD/AAAAAABkAAAAMgAAAAAAAABkAAAAAAAAAH9/fwAKAAAAIgAAABgAAAAAAAAAAAAAAAAAAAAAAAAAAAAAAAAAAAAkAAAAJAAAAAAAAAAHAAAAAAAAAAAAAAAAAAAAAAAAAAAAAAAAAAAAf39/ACUAAABYAAAAAAAAAAAAAAAAAAAAAAAAAAAAAAAAAAAAAAAAAAAAAAAAAAAAAAAAAAAAAAA/AAAAAAAAAKCGAQAAAAAAAAAAAAAAAAAMAAAAAQAAAAAAAAAAAAAAAAAAAB8AAABUAAAAAAAABQAAAAEAAAAAAAAAAAAAAAAAAAAAAAAAAAAAAAAAAAAAAAAAAAAAAAJ/f38AAAAAA8zMzADAwP8Af39/AAAAAAAAAAAAAAAAAAAAAAAAAAAAIQAAABgAAAAUAAAAwAMAANgJAABARwAAsCUAAAAAAAAmAAAACAAAAAEAAAAAAAAA"/>
+              </a:ext>
+            </a:extLst>
+          </p:cNvSpPr>
+          <p:nvPr>
+            <p:ph type="body" idx="1"/>
+          </p:nvPr>
+        </p:nvSpPr>
+        <p:spPr>
+          <a:xfrm>
+            <a:off x="609600" y="1600200"/>
+            <a:ext cx="10972800" cy="4526280"/>
+          </a:xfrm>
+        </p:spPr>
+        <p:txBody>
+          <a:bodyPr/>
+          <a:lstStyle/>
+          <a:p>
+            <a:pPr/>
+            <a:r>
+              <a:t>Can be multiple fully connected layers</a:t>
+            </a:r>
+          </a:p>
+          <a:p>
+            <a:pPr/>
+            <a:r>
+              <a:t>Combines the previous convolutional layers to bring everything together to give final classification</a:t>
+            </a:r>
           </a:p>
         </p:txBody>
       </p:sp>
@@ -3750,7 +4222,7 @@
 </file>
 
 <file path=ppt/slides/slide2.xml><?xml version="1.0" encoding="utf-8"?>
-<p:sld xmlns:a="http://schemas.openxmlformats.org/drawingml/2006/main" xmlns:r="http://schemas.openxmlformats.org/officeDocument/2006/relationships" xmlns:p="http://schemas.openxmlformats.org/presentationml/2006/main">
+<p:sld xmlns:p="http://schemas.openxmlformats.org/presentationml/2006/main" xmlns:mc="http://schemas.openxmlformats.org/markup-compatibility/2006" xmlns:p14="http://schemas.microsoft.com/office/powerpoint/2010/main" xmlns:p15="http://schemas.microsoft.com/office/powerpoint/2012/main" xmlns:r="http://schemas.openxmlformats.org/officeDocument/2006/relationships" xmlns:a="http://schemas.openxmlformats.org/drawingml/2006/main" mc:Ignorable="p14">
   <p:cSld>
     <p:spTree>
       <p:nvGrpSpPr>
@@ -3773,7 +4245,7 @@
             <a:spLocks noGrp="1" noChangeArrowheads="1"/>
             <a:extLst>
               <a:ext uri="smNativeData">
-                <pr:smNativeData xmlns="smNativeData" xmlns:pr="smNativeData" xmlns:p15="http://schemas.microsoft.com/office/powerpoint/2012/main" xmlns:p14="http://schemas.microsoft.com/office/powerpoint/2010/main" xmlns:mc="http://schemas.openxmlformats.org/markup-compatibility/2006" val="SMDATA_15_wwJCaRMAAAAlAAAAZAAAAA8BAAAAkAAAAEgAAACQAAAASAAAAAAAAAABAAAAAAAAAAEAAABQAAAAAAAAAAAA4D8AAAAAAADgPwAAAAAAAOA/AAAAAAAA4D8AAAAAAADgPwAAAAAAAOA/AAAAAAAA4D8AAAAAAADgPwAAAAAAAOA/AAAAAAAA4D8CAAAAjAAAAAAAAAAAAAAAu+DjDP///wgAAAAAAAAAAAAAAAAAAAAAAAAAAAAAAAAAAAAAZAAAAAEAAABAAAAAAAAAAAAAAAAAAAAAAAAAAAAAAAAAAAAAAAAAAAAAAAAAAAAAAAAAAAAAAAAAAAAAAAAAAAAAAAAAAAAAAAAAAAAAAAAAAAAAAAAAAAAAAAAAAAAAFAAAADwAAAAAAAAAAAAAAAAAAAkUAAAAAQAAABQAAAAUAAAAFAAAAAEAAAAAAAAAZAAAAGQAAAAAAAAAZAAAAGQAAAAVAAAAYAAAAAAAAAAAAAAADwAAACADAAAAAAAAAAAAAAEAAACgMgAAVgcAAKr4//8BAAAAf39/AAEAAABkAAAAAAAAABQAAABAHwAAAAAAACYAAAAAAAAAwOD//wAAAAAmAAAAZAAAABYAAABMAAAAAAAAAAAAAAAEAAAAAAAAAAEAAACAgIAKAAAAACgAAAAoAAAAZAAAAGQAAAAAAAAAzMzMAAAAAABQAAAAUAAAAGQAAABkAAAAAAAAABcAAAAUAAAAAAAAAAAAAAD/fwAA/38AAAAAAAAJAAAABAAAAF8AYAAeAAAAaAAAAAAAAAAAAAAAAAAAAAAAAAAAAAAAECcAABAnAAAAAAAAAAAAAAAAAAAAAAAAAAAAAAAAAAAAAAAAAAAAABQAAAAAAAAAwMD/AAAAAABkAAAAMgAAAAAAAABkAAAAAAAAAH9/fwAKAAAAIgAAABgAAAAAAAAAAAAAAAAAAAAAAAAAAAAAAAAAAAAkAAAAJAAAAAAAAAAHAAAAAAAAAAAAAAAAAAAAAAAAAAAAAAAAAAAAf39/ACUAAABYAAAAAAAAAAAAAAAAAAAAAAAAAAAAAAAAAAAAAAAAAAAAAAAAAAAAAAAAAAAAAAA/AAAAAAAAAKCGAQAAAAAAAAAAAAAAAAAMAAAAAQAAAAAAAAAAAAAAAAAAAB8AAABUAAAAAAAABQAAAAEAAAAAAAAAAAAAAAAAAAAAAAAAAAAAAAAAAAAAAAAAAAAAAAJ/f38AAAAAA8zMzADAwP8Af39/AAAAAAAAAAAAAAAAAAAAAAAAAAAAIQAAABgAAAAUAAAAwAMAALABAABARwAAuAgAABAAAAAmAAAACAAAAAAAAAAAAAAA"/>
+                <pr:smNativeData xmlns:pr="smNativeData" xmlns="smNativeData" val="SMDATA_15_SSBGaRMAAAAlAAAAZAAAAA0AAAAAkAAAAEgAAACQAAAASAAAAAAAAAABAAAAAAAAAAEAAABQAAAAAAAAAAAA4D8AAAAAAADgPwAAAAAAAOA/AAAAAAAA4D8AAAAAAADgPwAAAAAAAOA/AAAAAAAA4D8AAAAAAADgPwAAAAAAAOA/AAAAAAAA4D8CAAAAjAAAAAAAAAAAAAAAu+DjDP///wgAAAAAAAAAAAAAAAAAAAAAAAAAAAAAAAAAAAAAZAAAAAEAAABAAAAAAAAAAAAAAAAAAAAAAAAAAAAAAAAAAAAAAAAAAAAAAAAAAAAAAAAAAAAAAAAAAAAAAAAAAAAAAAAAAAAAAAAAAAAAAAAAAAAAAAAAAAAAAAAAAAAAFAAAADwAAAAAAAAAAAAAAAAAAAkUAAAAAQAAABQAAAAUAAAAFAAAAAEAAAAAAAAAZAAAAGQAAAAAAAAAZAAAAGQAAAAVAAAAYAAAAAAAAAAAAAAADwAAACADAAAAAAAAAAAAAAEAAACgMgAAVgcAAKr4//8BAAAAf39/AAEAAABkAAAAAAAAABQAAABAHwAAAAAAACYAAAAAAAAAwOD//wAAAAAmAAAAZAAAABYAAABMAAAAAAAAAAAAAAAEAAAAAAAAAAEAAACAgIAKAAAAACgAAAAoAAAAZAAAAGQAAAAAAAAAzMzMAAAAAABQAAAAUAAAAGQAAABkAAAAAAAAABcAAAAUAAAAAAAAAAAAAAD/fwAA/38AAAAAAAAJAAAABAAAAF8AYAAeAAAAaAAAAAAAAAAAAAAAAAAAAAAAAAAAAAAAECcAABAnAAAAAAAAAAAAAAAAAAAAAAAAAAAAAAAAAAAAAAAAAAAAABQAAAAAAAAAwMD/AAAAAABkAAAAMgAAAAAAAABkAAAAAAAAAH9/fwAKAAAAIgAAABgAAAAAAAAAAAAAAAAAAAAAAAAAAAAAAAAAAAAkAAAAJAAAAAAAAAAHAAAAAAAAAAAAAAAAAAAAAAAAAAAAAAAAAAAAf39/ACUAAABYAAAAAAAAAAAAAAAAAAAAAAAAAAAAAAAAAAAAAAAAAAAAAAAAAAAAAAAAAAAAAAA/AAAAAAAAAKCGAQAAAAAAAAAAAAAAAAAMAAAAAQAAAAAAAAAAAAAAAAAAAB8AAABUAAAAAAAABQAAAAEAAAAAAAAAAAAAAAAAAAAAAAAAAAAAAAAAAAAAAAAAAAAAAAJ/f38AAAAAA8zMzADAwP8Af39/AAAAAAAAAAAAAAAAAAAAAAAAAAAAIQAAABgAAAAUAAAAwAMAALABAABARwAAuAgAABAAAAAmAAAACAAAAAAAAAAAAAAA"/>
               </a:ext>
             </a:extLst>
           </p:cNvSpPr>
@@ -3786,6 +4258,7 @@
           <a:bodyPr/>
           <a:lstStyle/>
           <a:p>
+            <a:pPr/>
             <a:r>
               <a:t>Why PyTorch vs Tensorflow/Jax?</a:t>
             </a:r>
@@ -3799,7 +4272,7 @@
             <a:spLocks noGrp="1" noChangeArrowheads="1"/>
             <a:extLst>
               <a:ext uri="smNativeData">
-                <pr:smNativeData xmlns="smNativeData" xmlns:pr="smNativeData" xmlns:p15="http://schemas.microsoft.com/office/powerpoint/2012/main" xmlns:p14="http://schemas.microsoft.com/office/powerpoint/2010/main" xmlns:mc="http://schemas.openxmlformats.org/markup-compatibility/2006" val="SMDATA_15_wwJCaRMAAAAlAAAAZAAAAA8BAAAAkAAAAEgAAACQAAAASAAAAAAAAAAAAAAAAAAAAAEAAABQAAAAAAAAAAAA4D8AAAAAAADgPwAAAAAAAOA/AAAAAAAA4D8AAAAAAADgPwAAAAAAAOA/AAAAAAAA4D8AAAAAAADgPwAAAAAAAOA/AAAAAAAA4D8CAAAAjAAAAAAAAAAAAAAAu+DjDP///wgAAAAAAAAAAAAAAAAAAAAAAAAAAAAAAAAAAAAAZAAAAAEAAABAAAAAAAAAAAAAAAAAAAAAAAAAAAAAAAAAAAAAAAAAAAAAAAAAAAAAAAAAAAAAAAAAAAAAAAAAAAAAAAAAAAAAAAAAAAAAAAAAAAAAAAAAAAAAAAAAAAAAFAAAADwAAAAAAAAAAAAAAAAAAAkUAAAAAQAAABQAAAAUAAAAFAAAAAEAAAAAAAAAZAAAAGQAAAAAAAAAZAAAAGQAAAAVAAAAYAAAAAAAAAAAAAAADwAAACADAAAAAAAAAAAAAAEAAACgMgAAVgcAAKr4//8BAAAAf39/AAEAAABkAAAAAAAAABQAAABAHwAAAAAAACYAAAAAAAAAwOD//wAAAAAmAAAAZAAAABYAAABMAAAAAAAAAAAAAAAEAAAAAAAAAAEAAACAgIAKAAAAACgAAAAoAAAAZAAAAGQAAAAAAAAAzMzMAAAAAABQAAAAUAAAAGQAAABkAAAAAAAAABcAAAAUAAAAAAAAAAAAAAD/fwAA/38AAAAAAAAJAAAABAAAAJQAAAAeAAAAaAAAAAAAAAAAAAAAAAAAAAAAAAAAAAAAECcAABAnAAAAAAAAAAAAAAAAAAAAAAAAAAAAAAAAAAAAAAAAAAAAABQAAAAAAAAAwMD/AAAAAABkAAAAMgAAAAAAAABkAAAAAAAAAH9/fwAKAAAAIgAAABgAAAAAAAAAAAAAAAAAAAAAAAAAAAAAAAAAAAAkAAAAJAAAAAAAAAAHAAAAAAAAAAAAAAAAAAAAAAAAAAAAAAAAAAAAf39/ACUAAABYAAAAAAAAAAAAAAAAAAAAAAAAAAAAAAAAAAAAAAAAAAAAAAAAAAAAAAAAAAAAAAA/AAAAAAAAAKCGAQAAAAAAAAAAAAAAAAAMAAAAAQAAAAAAAAAAAAAAAAAAAB8AAABUAAAAAAAABQAAAAEAAAAAAAAAAAAAAAAAAAAAAAAAAAAAAAAAAAAAAAAAAAAAAAJ/f38AAAAAA8zMzADAwP8Af39/AAAAAAAAAAAAAAAAAAAAAAAAAAAAIQAAABgAAAAUAAAAwAMAANgJAABARwAAsCUAABAAAAAmAAAACAAAAAAAAAAAAAAA"/>
+                <pr:smNativeData xmlns:pr="smNativeData" xmlns="smNativeData" val="SMDATA_15_SSBGaRMAAAAlAAAAZAAAAA0AAAAAkAAAAEgAAACQAAAASAAAAAAAAAAAAAAAAAAAAAEAAABQAAAAAAAAAAAA4D8AAAAAAADgPwAAAAAAAOA/AAAAAAAA4D8AAAAAAADgPwAAAAAAAOA/AAAAAAAA4D8AAAAAAADgPwAAAAAAAOA/AAAAAAAA4D8CAAAAjAAAAAAAAAAAAAAAu+DjDP///wgAAAAAAAAAAAAAAAAAAAAAAAAAAAAAAAAAAAAAZAAAAAEAAABAAAAAAAAAAAAAAAAAAAAAAAAAAAAAAAAAAAAAAAAAAAAAAAAAAAAAAAAAAAAAAAAAAAAAAAAAAAAAAAAAAAAAAAAAAAAAAAAAAAAAAAAAAAAAAAAAAAAAFAAAADwAAAAAAAAAAAAAAAAAAAkUAAAAAQAAABQAAAAUAAAAFAAAAAEAAAAAAAAAZAAAAGQAAAAAAAAAZAAAAGQAAAAVAAAAYAAAAAAAAAAAAAAADwAAACADAAAAAAAAAAAAAAEAAACgMgAAVgcAAKr4//8BAAAAf39/AAEAAABkAAAAAAAAABQAAABAHwAAAAAAACYAAAAAAAAAwOD//wAAAAAmAAAAZAAAABYAAABMAAAAAAAAAAAAAAAEAAAAAAAAAAEAAACAgIAKAAAAACgAAAAoAAAAZAAAAGQAAAAAAAAAzMzMAAAAAABQAAAAUAAAAGQAAABkAAAAAAAAABcAAAAUAAAAAAAAAAAAAAD/fwAA/38AAAAAAAAJAAAABAAAAAAAAAAeAAAAaAAAAAAAAAAAAAAAAAAAAAAAAAAAAAAAECcAABAnAAAAAAAAAAAAAAAAAAAAAAAAAAAAAAAAAAAAAAAAAAAAABQAAAAAAAAAwMD/AAAAAABkAAAAMgAAAAAAAABkAAAAAAAAAH9/fwAKAAAAIgAAABgAAAAAAAAAAAAAAAAAAAAAAAAAAAAAAAAAAAAkAAAAJAAAAAAAAAAHAAAAAAAAAAAAAAAAAAAAAAAAAAAAAAAAAAAAf39/ACUAAABYAAAAAAAAAAAAAAAAAAAAAAAAAAAAAAAAAAAAAAAAAAAAAAAAAAAAAAAAAAAAAAA/AAAAAAAAAKCGAQAAAAAAAAAAAAAAAAAMAAAAAQAAAAAAAAAAAAAAAAAAAB8AAABUAAAAAAAABQAAAAEAAAAAAAAAAAAAAAAAAAAAAAAAAAAAAAAAAAAAAAAAAAAAAAJ/f38AAAAAA8zMzADAwP8Af39/AAAAAAAAAAAAAAAAAAAAAAAAAAAAIQAAABgAAAAUAAAAwAMAANgJAABARwAAsCUAABAAAAAmAAAACAAAAAAAAAAAAAAA"/>
               </a:ext>
             </a:extLst>
           </p:cNvSpPr>
@@ -3905,6 +4378,7 @@
               <a:rPr sz="2200" cap="none"/>
               <a:t>‘J’ is just-in-time compilation, ‘A’ is Automatic Differentiation/Derivative, ‘X’ - Xcelerated Linear Algebra</a:t>
             </a:r>
+            <a:endParaRPr sz="2200" cap="none"/>
           </a:p>
         </p:txBody>
       </p:sp>
@@ -3924,7 +4398,7 @@
 </file>
 
 <file path=ppt/slides/slide3.xml><?xml version="1.0" encoding="utf-8"?>
-<p:sld xmlns:a="http://schemas.openxmlformats.org/drawingml/2006/main" xmlns:r="http://schemas.openxmlformats.org/officeDocument/2006/relationships" xmlns:p="http://schemas.openxmlformats.org/presentationml/2006/main">
+<p:sld xmlns:p="http://schemas.openxmlformats.org/presentationml/2006/main" xmlns:mc="http://schemas.openxmlformats.org/markup-compatibility/2006" xmlns:p14="http://schemas.microsoft.com/office/powerpoint/2010/main" xmlns:p15="http://schemas.microsoft.com/office/powerpoint/2012/main" xmlns:r="http://schemas.openxmlformats.org/officeDocument/2006/relationships" xmlns:a="http://schemas.openxmlformats.org/drawingml/2006/main" mc:Ignorable="p14">
   <p:cSld>
     <p:spTree>
       <p:nvGrpSpPr>
@@ -3947,7 +4421,7 @@
             <a:spLocks noGrp="1" noChangeArrowheads="1"/>
             <a:extLst>
               <a:ext uri="smNativeData">
-                <pr:smNativeData xmlns="smNativeData" xmlns:pr="smNativeData" xmlns:p15="http://schemas.microsoft.com/office/powerpoint/2012/main" xmlns:p14="http://schemas.microsoft.com/office/powerpoint/2010/main" xmlns:mc="http://schemas.openxmlformats.org/markup-compatibility/2006" val="SMDATA_15_wwJCaRMAAAAlAAAAZAAAAA8BAAAAkAAAAEgAAACQAAAASAAAAAAAAAABAAAAAAAAAAEAAABQAAAAAAAAAAAA4D8AAAAAAADgPwAAAAAAAOA/AAAAAAAA4D8AAAAAAADgPwAAAAAAAOA/AAAAAAAA4D8AAAAAAADgPwAAAAAAAOA/AAAAAAAA4D8CAAAAjAAAAAAAAAAAAAAAu+DjDP///wgAAAAAAAAAAAAAAAAAAAAAAAAAAAAAAAAAAAAAZAAAAAEAAABAAAAAAAAAAAAAAAAAAAAAAAAAAAAAAAAAAAAAAAAAAAAAAAAAAAAAAAAAAAAAAAAAAAAAAAAAAAAAAAAAAAAAAAAAAAAAAAAAAAAAAAAAAAAAAAAAAAAAFAAAADwAAAAAAAAAAAAAAAAAAAkUAAAAAQAAABQAAAAUAAAAFAAAAAEAAAAAAAAAZAAAAGQAAAAAAAAAZAAAAGQAAAAVAAAAYAAAAAAAAAAAAAAADwAAACADAAAAAAAAAAAAAAEAAACgMgAAVgcAAKr4//8BAAAAf39/AAEAAABkAAAAAAAAABQAAABAHwAAAAAAACYAAAAAAAAAwOD//wAAAAAmAAAAZAAAABYAAABMAAAAAAAAAAAAAAAEAAAAAAAAAAEAAACAgIAKAAAAACgAAAAoAAAAZAAAAGQAAAAAAAAAzMzMAAAAAABQAAAAUAAAAGQAAABkAAAAAAAAABcAAAAUAAAAAAAAAAAAAAD/fwAA/38AAAAAAAAJAAAABAAAAMUAAAAeAAAAaAAAAAAAAAAAAAAAAAAAAAAAAAAAAAAAECcAABAnAAAAAAAAAAAAAAAAAAAAAAAAAAAAAAAAAAAAAAAAAAAAABQAAAAAAAAAwMD/AAAAAABkAAAAMgAAAAAAAABkAAAAAAAAAH9/fwAKAAAAIgAAABgAAAAAAAAAAAAAAAAAAAAAAAAAAAAAAAAAAAAkAAAAJAAAAAAAAAAHAAAAAAAAAAAAAAAAAAAAAAAAAAAAAAAAAAAAf39/ACUAAABYAAAAAAAAAAAAAAAAAAAAAAAAAAAAAAAAAAAAAAAAAAAAAAAAAAAAAAAAAAAAAAA/AAAAAAAAAKCGAQAAAAAAAAAAAAAAAAAMAAAAAQAAAAAAAAAAAAAAAAAAAB8AAABUAAAAAAAABQAAAAEAAAAAAAAAAAAAAAAAAAAAAAAAAAAAAAAAAAAAAAAAAAAAAAJ/f38AAAAAA8zMzADAwP8Af39/AAAAAAAAAAAAAAAAAAAAAAAAAAAAIQAAABgAAAAUAAAAwAMAALABAABARwAAuAgAABAAAAAmAAAACAAAAAAAAAAAAAAA"/>
+                <pr:smNativeData xmlns:pr="smNativeData" xmlns="smNativeData" val="SMDATA_15_SSBGaRMAAAAlAAAAZAAAAA0AAAAAkAAAAEgAAACQAAAASAAAAAAAAAABAAAAAAAAAAEAAABQAAAAAAAAAAAA4D8AAAAAAADgPwAAAAAAAOA/AAAAAAAA4D8AAAAAAADgPwAAAAAAAOA/AAAAAAAA4D8AAAAAAADgPwAAAAAAAOA/AAAAAAAA4D8CAAAAjAAAAAAAAAAAAAAAu+DjDP///wgAAAAAAAAAAAAAAAAAAAAAAAAAAAAAAAAAAAAAZAAAAAEAAABAAAAAAAAAAAAAAAAAAAAAAAAAAAAAAAAAAAAAAAAAAAAAAAAAAAAAAAAAAAAAAAAAAAAAAAAAAAAAAAAAAAAAAAAAAAAAAAAAAAAAAAAAAAAAAAAAAAAAFAAAADwAAAAAAAAAAAAAAAAAAAkUAAAAAQAAABQAAAAUAAAAFAAAAAEAAAAAAAAAZAAAAGQAAAAAAAAAZAAAAGQAAAAVAAAAYAAAAAAAAAAAAAAADwAAACADAAAAAAAAAAAAAAEAAACgMgAAVgcAAKr4//8BAAAAf39/AAEAAABkAAAAAAAAABQAAABAHwAAAAAAACYAAAAAAAAAwOD//wAAAAAmAAAAZAAAABYAAABMAAAAAAAAAAAAAAAEAAAAAAAAAAEAAACAgIAKAAAAACgAAAAoAAAAZAAAAGQAAAAAAAAAzMzMAAAAAABQAAAAUAAAAGQAAABkAAAAAAAAABcAAAAUAAAAAAAAAAAAAAD/fwAA/38AAAAAAAAJAAAABAAAAF8AYAAeAAAAaAAAAAAAAAAAAAAAAAAAAAAAAAAAAAAAECcAABAnAAAAAAAAAAAAAAAAAAAAAAAAAAAAAAAAAAAAAAAAAAAAABQAAAAAAAAAwMD/AAAAAABkAAAAMgAAAAAAAABkAAAAAAAAAH9/fwAKAAAAIgAAABgAAAAAAAAAAAAAAAAAAAAAAAAAAAAAAAAAAAAkAAAAJAAAAAAAAAAHAAAAAAAAAAAAAAAAAAAAAAAAAAAAAAAAAAAAf39/ACUAAABYAAAAAAAAAAAAAAAAAAAAAAAAAAAAAAAAAAAAAAAAAAAAAAAAAAAAAAAAAAAAAAA/AAAAAAAAAKCGAQAAAAAAAAAAAAAAAAAMAAAAAQAAAAAAAAAAAAAAAAAAAB8AAABUAAAAAAAABQAAAAEAAAAAAAAAAAAAAAAAAAAAAAAAAAAAAAAAAAAAAAAAAAAAAAJ/f38AAAAAA8zMzADAwP8Af39/AAAAAAAAAAAAAAAAAAAAAAAAAAAAIQAAABgAAAAUAAAAwAMAALABAABARwAAuAgAABAAAAAmAAAACAAAAAAAAAAAAAAA"/>
               </a:ext>
             </a:extLst>
           </p:cNvSpPr>
@@ -3960,6 +4434,7 @@
           <a:bodyPr/>
           <a:lstStyle/>
           <a:p>
+            <a:pPr/>
             <a:r>
               <a:t>Conda install</a:t>
             </a:r>
@@ -3973,7 +4448,7 @@
             <a:spLocks noGrp="1" noChangeArrowheads="1"/>
             <a:extLst>
               <a:ext uri="smNativeData">
-                <pr:smNativeData xmlns="smNativeData" xmlns:pr="smNativeData" xmlns:p15="http://schemas.microsoft.com/office/powerpoint/2012/main" xmlns:p14="http://schemas.microsoft.com/office/powerpoint/2010/main" xmlns:mc="http://schemas.openxmlformats.org/markup-compatibility/2006" val="SMDATA_15_wwJCaRMAAAAlAAAAZAAAAA8BAAAAkAAAAEgAAACQAAAASAAAAAAAAAAAAAAAAAAAAAEAAABQAAAAAAAAAAAA4D8AAAAAAADgPwAAAAAAAOA/AAAAAAAA4D8AAAAAAADgPwAAAAAAAOA/AAAAAAAA4D8AAAAAAADgPwAAAAAAAOA/AAAAAAAA4D8CAAAAjAAAAAAAAAAAAAAAu+DjDP///wgAAAAAAAAAAAAAAAAAAAAAAAAAAAAAAAAAAAAAZAAAAAEAAABAAAAAAAAAAAAAAAAAAAAAAAAAAAAAAAAAAAAAAAAAAAAAAAAAAAAAAAAAAAAAAAAAAAAAAAAAAAAAAAAAAAAAAAAAAAAAAAAAAAAAAAAAAAAAAAAAAAAAFAAAADwAAAAAAAAAAAAAAAAAAAkUAAAAAQAAABQAAAAUAAAAFAAAAAEAAAAAAAAAZAAAAGQAAAAAAAAAZAAAAGQAAAAVAAAAYAAAAAAAAAAAAAAADwAAACADAAAAAAAAAAAAAAEAAACgMgAAVgcAAKr4//8BAAAAf39/AAEAAABkAAAAAAAAABQAAABAHwAAAAAAACYAAAAAAAAAwOD//wAAAAAmAAAAZAAAABYAAABMAAAAAAAAAAAAAAAEAAAAAAAAAAEAAACAgIAKAAAAACgAAAAoAAAAZAAAAGQAAAAAAAAAzMzMAAAAAABQAAAAUAAAAGQAAABkAAAAAAAAABcAAAAUAAAAAAAAAAAAAAD/fwAA/38AAAAAAAAJAAAABAAAAAAAAAAeAAAAaAAAAAAAAAAAAAAAAAAAAAAAAAAAAAAAECcAABAnAAAAAAAAAAAAAAAAAAAAAAAAAAAAAAAAAAAAAAAAAAAAABQAAAAAAAAAwMD/AAAAAABkAAAAMgAAAAAAAABkAAAAAAAAAH9/fwAKAAAAIgAAABgAAAAAAAAAAAAAAAAAAAAAAAAAAAAAAAAAAAAkAAAAJAAAAAAAAAAHAAAAAAAAAAAAAAAAAAAAAAAAAAAAAAAAAAAAf39/ACUAAABYAAAAAAAAAAAAAAAAAAAAAAAAAAAAAAAAAAAAAAAAAAAAAAAAAAAAAAAAAAAAAAA/AAAAAAAAAKCGAQAAAAAAAAAAAAAAAAAMAAAAAQAAAAAAAAAAAAAAAAAAAB8AAABUAAAAAAAABQAAAAEAAAAAAAAAAAAAAAAAAAAAAAAAAAAAAAAAAAAAAAAAAAAAAAJ/f38AAAAAA8zMzADAwP8Af39/AAAAAAAAAAAAAAAAAAAAAAAAAAAAIQAAABgAAAAUAAAAwAMAANgJAABARwAAsCUAAAAAAAAmAAAACAAAAAEAAAAAAAAA"/>
+                <pr:smNativeData xmlns:pr="smNativeData" xmlns="smNativeData" val="SMDATA_15_SSBGaRMAAAAlAAAAZAAAAA0AAAAAkAAAAEgAAACQAAAASAAAAAAAAAAAAAAAAAAAAAEAAABQAAAAAAAAAAAA4D8AAAAAAADgPwAAAAAAAOA/AAAAAAAA4D8AAAAAAADgPwAAAAAAAOA/AAAAAAAA4D8AAAAAAADgPwAAAAAAAOA/AAAAAAAA4D8CAAAAjAAAAAAAAAAAAAAAu+DjDP///wgAAAAAAAAAAAAAAAAAAAAAAAAAAAAAAAAAAAAAZAAAAAEAAABAAAAAAAAAAAAAAAAAAAAAAAAAAAAAAAAAAAAAAAAAAAAAAAAAAAAAAAAAAAAAAAAAAAAAAAAAAAAAAAAAAAAAAAAAAAAAAAAAAAAAAAAAAAAAAAAAAAAAFAAAADwAAAAAAAAAAAAAAAAAAAkUAAAAAQAAABQAAAAUAAAAFAAAAAEAAAAAAAAAZAAAAGQAAAAAAAAAZAAAAGQAAAAVAAAAYAAAAAAAAAAAAAAADwAAACADAAAAAAAAAAAAAAEAAACgMgAAVgcAAKr4//8BAAAAf39/AAEAAABkAAAAAAAAABQAAABAHwAAAAAAACYAAAAAAAAAwOD//wAAAAAmAAAAZAAAABYAAABMAAAAAAAAAAAAAAAEAAAAAAAAAAEAAACAgIAKAAAAACgAAAAoAAAAZAAAAGQAAAAAAAAAzMzMAAAAAABQAAAAUAAAAGQAAABkAAAAAAAAABcAAAAUAAAAAAAAAAAAAAD/fwAA/38AAAAAAAAJAAAABAAAAPz///8eAAAAaAAAAAAAAAAAAAAAAAAAAAAAAAAAAAAAECcAABAnAAAAAAAAAAAAAAAAAAAAAAAAAAAAAAAAAAAAAAAAAAAAABQAAAAAAAAAwMD/AAAAAABkAAAAMgAAAAAAAABkAAAAAAAAAH9/fwAKAAAAIgAAABgAAAAAAAAAAAAAAAAAAAAAAAAAAAAAAAAAAAAkAAAAJAAAAAAAAAAHAAAAAAAAAAAAAAAAAAAAAAAAAAAAAAAAAAAAf39/ACUAAABYAAAAAAAAAAAAAAAAAAAAAAAAAAAAAAAAAAAAAAAAAAAAAAAAAAAAAAAAAAAAAAA/AAAAAAAAAKCGAQAAAAAAAAAAAAAAAAAMAAAAAQAAAAAAAAAAAAAAAAAAAB8AAABUAAAAAAAABQAAAAEAAAAAAAAAAAAAAAAAAAAAAAAAAAAAAAAAAAAAAAAAAAAAAAJ/f38AAAAAA8zMzADAwP8Af39/AAAAAAAAAAAAAAAAAAAAAAAAAAAAIQAAABgAAAAUAAAAwAMAANgJAABARwAAsCUAABAAAAAmAAAACAAAAAAAAAAAAAAA"/>
               </a:ext>
             </a:extLst>
           </p:cNvSpPr>
@@ -3981,16 +4456,12 @@
             <p:ph type="body" idx="1"/>
           </p:nvPr>
         </p:nvSpPr>
-        <p:spPr>
-          <a:xfrm>
-            <a:off x="609600" y="1600200"/>
-            <a:ext cx="10972800" cy="4526280"/>
-          </a:xfrm>
-        </p:spPr>
-        <p:txBody>
-          <a:bodyPr/>
-          <a:lstStyle/>
-          <a:p>
+        <p:spPr/>
+        <p:txBody>
+          <a:bodyPr/>
+          <a:lstStyle/>
+          <a:p>
+            <a:pPr/>
             <a:r>
               <a:t>Prefer using ‘conda install’ over ’pip install’, like:</a:t>
             </a:r>
@@ -4032,6 +4503,7 @@
             </a:r>
           </a:p>
           <a:p>
+            <a:pPr/>
             <a:r>
               <a:t>Often need to create environment (like PyTorchStepByStep):</a:t>
             </a:r>
@@ -4060,7 +4532,7 @@
 </file>
 
 <file path=ppt/slides/slide4.xml><?xml version="1.0" encoding="utf-8"?>
-<p:sld xmlns:a="http://schemas.openxmlformats.org/drawingml/2006/main" xmlns:r="http://schemas.openxmlformats.org/officeDocument/2006/relationships" xmlns:p="http://schemas.openxmlformats.org/presentationml/2006/main">
+<p:sld xmlns:p="http://schemas.openxmlformats.org/presentationml/2006/main" xmlns:mc="http://schemas.openxmlformats.org/markup-compatibility/2006" xmlns:p14="http://schemas.microsoft.com/office/powerpoint/2010/main" xmlns:p15="http://schemas.microsoft.com/office/powerpoint/2012/main" xmlns:r="http://schemas.openxmlformats.org/officeDocument/2006/relationships" xmlns:a="http://schemas.openxmlformats.org/drawingml/2006/main" mc:Ignorable="p14">
   <p:cSld>
     <p:spTree>
       <p:nvGrpSpPr>
@@ -4083,7 +4555,7 @@
             <a:spLocks noGrp="1" noChangeArrowheads="1"/>
             <a:extLst>
               <a:ext uri="smNativeData">
-                <pr:smNativeData xmlns="smNativeData" xmlns:pr="smNativeData" xmlns:p15="http://schemas.microsoft.com/office/powerpoint/2012/main" xmlns:p14="http://schemas.microsoft.com/office/powerpoint/2010/main" xmlns:mc="http://schemas.openxmlformats.org/markup-compatibility/2006" val="SMDATA_15_wwJCaRMAAAAlAAAAZAAAAA8BAAAAkAAAAEgAAACQAAAASAAAAAAAAAABAAAAAAAAAAEAAABQAAAAAAAAAAAA4D8AAAAAAADgPwAAAAAAAOA/AAAAAAAA4D8AAAAAAADgPwAAAAAAAOA/AAAAAAAA4D8AAAAAAADgPwAAAAAAAOA/AAAAAAAA4D8CAAAAjAAAAAAAAAAAAAAAu+DjDP///wgAAAAAAAAAAAAAAAAAAAAAAAAAAAAAAAAAAAAAZAAAAAEAAABAAAAAAAAAAAAAAAAAAAAAAAAAAAAAAAAAAAAAAAAAAAAAAAAAAAAAAAAAAAAAAAAAAAAAAAAAAAAAAAAAAAAAAAAAAAAAAAAAAAAAAAAAAAAAAAAAAAAAFAAAADwAAAAAAAAAAAAAAAAAAAkUAAAAAQAAABQAAAAUAAAAFAAAAAEAAAAAAAAAZAAAAGQAAAAAAAAAZAAAAGQAAAAVAAAAYAAAAAAAAAAAAAAADwAAACADAAAAAAAAAAAAAAEAAACgMgAAVgcAAKr4//8BAAAAf39/AAEAAABkAAAAAAAAABQAAABAHwAAAAAAACYAAAAAAAAAwOD//wAAAAAmAAAAZAAAABYAAABMAAAAAAAAAAAAAAAEAAAAAAAAAAEAAACAgIAKAAAAACgAAAAoAAAAZAAAAGQAAAAAAAAAzMzMAAAAAABQAAAAUAAAAGQAAABkAAAAAAAAABcAAAAUAAAAAAAAAAAAAAD/fwAA/38AAAAAAAAJAAAABAAAAAAAAAAeAAAAaAAAAAAAAAAAAAAAAAAAAAAAAAAAAAAAECcAABAnAAAAAAAAAAAAAAAAAAAAAAAAAAAAAAAAAAAAAAAAAAAAABQAAAAAAAAAwMD/AAAAAABkAAAAMgAAAAAAAABkAAAAAAAAAH9/fwAKAAAAIgAAABgAAAAAAAAAAAAAAAAAAAAAAAAAAAAAAAAAAAAkAAAAJAAAAAAAAAAHAAAAAAAAAAAAAAAAAAAAAAAAAAAAAAAAAAAAf39/ACUAAABYAAAAAAAAAAAAAAAAAAAAAAAAAAAAAAAAAAAAAAAAAAAAAAAAAAAAAAAAAAAAAAA/AAAAAAAAAKCGAQAAAAAAAAAAAAAAAAAMAAAAAQAAAAAAAAAAAAAAAAAAAB8AAABUAAAAAAAABQAAAAEAAAAAAAAAAAAAAAAAAAAAAAAAAAAAAAAAAAAAAAAAAAAAAAJ/f38AAAAAA8zMzADAwP8Af39/AAAAAAAAAAAAAAAAAAAAAAAAAAAAIQAAABgAAAAUAAAAwAMAALABAABARwAAuAgAABAAAAAmAAAACAAAAAAAAAAAAAAA"/>
+                <pr:smNativeData xmlns:pr="smNativeData" xmlns="smNativeData" val="SMDATA_15_SSBGaRMAAAAlAAAAZAAAAA0AAAAAkAAAAEgAAACQAAAASAAAAAAAAAABAAAAAAAAAAEAAABQAAAAAAAAAAAA4D8AAAAAAADgPwAAAAAAAOA/AAAAAAAA4D8AAAAAAADgPwAAAAAAAOA/AAAAAAAA4D8AAAAAAADgPwAAAAAAAOA/AAAAAAAA4D8CAAAAjAAAAAAAAAAAAAAAu+DjDP///wgAAAAAAAAAAAAAAAAAAAAAAAAAAAAAAAAAAAAAZAAAAAEAAABAAAAAAAAAAAAAAAAAAAAAAAAAAAAAAAAAAAAAAAAAAAAAAAAAAAAAAAAAAAAAAAAAAAAAAAAAAAAAAAAAAAAAAAAAAAAAAAAAAAAAAAAAAAAAAAAAAAAAFAAAADwAAAAAAAAAAAAAAAAAAAkUAAAAAQAAABQAAAAUAAAAFAAAAAEAAAAAAAAAZAAAAGQAAAAAAAAAZAAAAGQAAAAVAAAAYAAAAAAAAAAAAAAADwAAACADAAAAAAAAAAAAAAEAAACgMgAAVgcAAKr4//8BAAAAf39/AAEAAABkAAAAAAAAABQAAABAHwAAAAAAACYAAAAAAAAAwOD//wAAAAAmAAAAZAAAABYAAABMAAAAAAAAAAAAAAAEAAAAAAAAAAEAAACAgIAKAAAAACgAAAAoAAAAZAAAAGQAAAAAAAAAzMzMAAAAAABQAAAAUAAAAGQAAABkAAAAAAAAABcAAAAUAAAAAAAAAAAAAAD/fwAA/38AAAAAAAAJAAAABAAAAF8AYAAeAAAAaAAAAAAAAAAAAAAAAAAAAAAAAAAAAAAAECcAABAnAAAAAAAAAAAAAAAAAAAAAAAAAAAAAAAAAAAAAAAAAAAAABQAAAAAAAAAwMD/AAAAAABkAAAAMgAAAAAAAABkAAAAAAAAAH9/fwAKAAAAIgAAABgAAAAAAAAAAAAAAAAAAAAAAAAAAAAAAAAAAAAkAAAAJAAAAAAAAAAHAAAAAAAAAAAAAAAAAAAAAAAAAAAAAAAAAAAAf39/ACUAAABYAAAAAAAAAAAAAAAAAAAAAAAAAAAAAAAAAAAAAAAAAAAAAAAAAAAAAAAAAAAAAAA/AAAAAAAAAKCGAQAAAAAAAAAAAAAAAAAMAAAAAQAAAAAAAAAAAAAAAAAAAB8AAABUAAAAAAAABQAAAAEAAAAAAAAAAAAAAAAAAAAAAAAAAAAAAAAAAAAAAAAAAAAAAAJ/f38AAAAAA8zMzADAwP8Af39/AAAAAAAAAAAAAAAAAAAAAAAAAAAAIQAAABgAAAAUAAAAwAMAALABAABARwAAuAgAABAAAAAmAAAACAAAAAAAAAAAAAAA"/>
               </a:ext>
             </a:extLst>
           </p:cNvSpPr>
@@ -4096,6 +4568,7 @@
           <a:bodyPr/>
           <a:lstStyle/>
           <a:p>
+            <a:pPr/>
             <a:r>
               <a:t>Computer PyTorch installs</a:t>
             </a:r>
@@ -4109,7 +4582,7 @@
             <a:spLocks noGrp="1" noChangeArrowheads="1"/>
             <a:extLst>
               <a:ext uri="smNativeData">
-                <pr:smNativeData xmlns="smNativeData" xmlns:pr="smNativeData" xmlns:p15="http://schemas.microsoft.com/office/powerpoint/2012/main" xmlns:p14="http://schemas.microsoft.com/office/powerpoint/2010/main" xmlns:mc="http://schemas.openxmlformats.org/markup-compatibility/2006" val="SMDATA_15_wwJCaRMAAAAlAAAAZAAAAA8BAAAAkAAAAEgAAACQAAAASAAAAAAAAAAAAAAAAAAAAAEAAABQAAAAAAAAAAAA4D8AAAAAAADgPwAAAAAAAOA/AAAAAAAA4D8AAAAAAADgPwAAAAAAAOA/AAAAAAAA4D8AAAAAAADgPwAAAAAAAOA/AAAAAAAA4D8CAAAAjAAAAAAAAAAAAAAAu+DjDP///wgAAAAAAAAAAAAAAAAAAAAAAAAAAAAAAAAAAAAAZAAAAAEAAABAAAAAAAAAAAAAAAAAAAAAAAAAAAAAAAAAAAAAAAAAAAAAAAAAAAAAAAAAAAAAAAAAAAAAAAAAAAAAAAAAAAAAAAAAAAAAAAAAAAAAAAAAAAAAAAAAAAAAFAAAADwAAAAAAAAAAAAAAAAAAAkUAAAAAQAAABQAAAAUAAAAFAAAAAEAAAAAAAAAZAAAAGQAAAAAAAAAZAAAAGQAAAAVAAAAYAAAAAAAAAAAAAAADwAAACADAAAAAAAAAAAAAAEAAACgMgAAVgcAAKr4//8BAAAAf39/AAEAAABkAAAAAAAAABQAAABAHwAAAAAAACYAAAAAAAAAwOD//wAAAAAmAAAAZAAAABYAAABMAAAAAAAAAAAAAAAEAAAAAAAAAAEAAACAgIAKAAAAACgAAAAoAAAAZAAAAGQAAAAAAAAAzMzMAAAAAABQAAAAUAAAAGQAAABkAAAAAAAAABcAAAAUAAAAAAAAAAAAAAD/fwAA/38AAAAAAAAJAAAABAAAAAAAAAAeAAAAaAAAAAAAAAAAAAAAAAAAAAAAAAAAAAAAECcAABAnAAAAAAAAAAAAAAAAAAAAAAAAAAAAAAAAAAAAAAAAAAAAABQAAAAAAAAAwMD/AAAAAABkAAAAMgAAAAAAAABkAAAAAAAAAH9/fwAKAAAAIgAAABgAAAAAAAAAAAAAAAAAAAAAAAAAAAAAAAAAAAAkAAAAJAAAAAAAAAAHAAAAAAAAAAAAAAAAAAAAAAAAAAAAAAAAAAAAf39/ACUAAABYAAAAAAAAAAAAAAAAAAAAAAAAAAAAAAAAAAAAAAAAAAAAAAAAAAAAAAAAAAAAAAA/AAAAAAAAAKCGAQAAAAAAAAAAAAAAAAAMAAAAAQAAAAAAAAAAAAAAAAAAAB8AAABUAAAAAAAABQAAAAEAAAAAAAAAAAAAAAAAAAAAAAAAAAAAAAAAAAAAAAAAAAAAAAJ/f38AAAAAA8zMzADAwP8Af39/AAAAAAAAAAAAAAAAAAAAAAAAAAAAIQAAABgAAAAUAAAAwAMAANgJAABARwAAsCUAAAAAAAAmAAAACAAAAAEAAAAAAAAA"/>
+                <pr:smNativeData xmlns:pr="smNativeData" xmlns="smNativeData" val="SMDATA_15_SSBGaRMAAAAlAAAAZAAAAA0AAAAAkAAAAEgAAACQAAAASAAAAAAAAAAAAAAAAAAAAAEAAABQAAAAAAAAAAAA4D8AAAAAAADgPwAAAAAAAOA/AAAAAAAA4D8AAAAAAADgPwAAAAAAAOA/AAAAAAAA4D8AAAAAAADgPwAAAAAAAOA/AAAAAAAA4D8CAAAAjAAAAAAAAAAAAAAAu+DjDP///wgAAAAAAAAAAAAAAAAAAAAAAAAAAAAAAAAAAAAAZAAAAAEAAABAAAAAAAAAAAAAAAAAAAAAAAAAAAAAAAAAAAAAAAAAAAAAAAAAAAAAAAAAAAAAAAAAAAAAAAAAAAAAAAAAAAAAAAAAAAAAAAAAAAAAAAAAAAAAAAAAAAAAFAAAADwAAAAAAAAAAAAAAAAAAAkUAAAAAQAAABQAAAAUAAAAFAAAAAEAAAAAAAAAZAAAAGQAAAAAAAAAZAAAAGQAAAAVAAAAYAAAAAAAAAAAAAAADwAAACADAAAAAAAAAAAAAAEAAACgMgAAVgcAAKr4//8BAAAAf39/AAEAAABkAAAAAAAAABQAAABAHwAAAAAAACYAAAAAAAAAwOD//wAAAAAmAAAAZAAAABYAAABMAAAAAAAAAAAAAAAEAAAAAAAAAAEAAACAgIAKAAAAACgAAAAoAAAAZAAAAGQAAAAAAAAAzMzMAAAAAABQAAAAUAAAAGQAAABkAAAAAAAAABcAAAAUAAAAAAAAAAAAAAD/fwAA/38AAAAAAAAJAAAABAAAAF8AYAAeAAAAaAAAAAAAAAAAAAAAAAAAAAAAAAAAAAAAECcAABAnAAAAAAAAAAAAAAAAAAAAAAAAAAAAAAAAAAAAAAAAAAAAABQAAAAAAAAAwMD/AAAAAABkAAAAMgAAAAAAAABkAAAAAAAAAH9/fwAKAAAAIgAAABgAAAAAAAAAAAAAAAAAAAAAAAAAAAAAAAAAAAAkAAAAJAAAAAAAAAAHAAAAAAAAAAAAAAAAAAAAAAAAAAAAAAAAAAAAf39/ACUAAABYAAAAAAAAAAAAAAAAAAAAAAAAAAAAAAAAAAAAAAAAAAAAAAAAAAAAAAAAAAAAAAA/AAAAAAAAAKCGAQAAAAAAAAAAAAAAAAAMAAAAAQAAAAAAAAAAAAAAAAAAAB8AAABUAAAAAAAABQAAAAEAAAAAAAAAAAAAAAAAAAAAAAAAAAAAAAAAAAAAAAAAAAAAAAJ/f38AAAAAA8zMzADAwP8Af39/AAAAAAAAAAAAAAAAAAAAAAAAAAAAIQAAABgAAAAUAAAAwAMAANgJAABARwAAsCUAABAAAAAmAAAACAAAAAAAAAAAAAAA"/>
               </a:ext>
             </a:extLst>
           </p:cNvSpPr>
@@ -4117,16 +4590,12 @@
             <p:ph type="body" idx="1"/>
           </p:nvPr>
         </p:nvSpPr>
-        <p:spPr>
-          <a:xfrm>
-            <a:off x="609600" y="1600200"/>
-            <a:ext cx="10972800" cy="4526280"/>
-          </a:xfrm>
-        </p:spPr>
-        <p:txBody>
-          <a:bodyPr/>
-          <a:lstStyle/>
-          <a:p>
+        <p:spPr/>
+        <p:txBody>
+          <a:bodyPr/>
+          <a:lstStyle/>
+          <a:p>
+            <a:pPr/>
             <a:r>
               <a:t>main Win10 Ryzen5 7600X3D 4100Mhz 64gb RTX3060 12gb:</a:t>
             </a:r>
@@ -4138,6 +4607,7 @@
             </a:r>
           </a:p>
           <a:p>
+            <a:pPr/>
             <a:r>
               <a:t>Ubuntu Ryzen 5 5500 2400Mhz 32gb RTX4060Ti 16gb:</a:t>
             </a:r>
@@ -4188,8 +4658,10 @@
               <a:rPr sz="2000" cap="none"/>
               <a:t>Probably better to ‘conda pytorchnotebook’ and then ‘code’ to get into Visual Studio Code</a:t>
             </a:r>
-          </a:p>
-          <a:p>
+            <a:endParaRPr sz="2000" cap="none"/>
+          </a:p>
+          <a:p>
+            <a:pPr/>
             <a:r>
               <a:t>Laptop Win11 i5-134020H 2100Mhz 16gb RTX4050 6gb:</a:t>
             </a:r>
@@ -4201,26 +4673,25 @@
             </a:r>
           </a:p>
           <a:p>
+            <a:pPr/>
             <a:r>
               <a:t>Gaming Win11 Ryzen9 7900X(12c) 32gb RTX5070 12gb</a:t>
             </a:r>
           </a:p>
           <a:p>
+            <a:pPr/>
             <a:r>
               <a:t>Mac Mini 16GB: PyTorch is possible but slow</a:t>
             </a:r>
           </a:p>
           <a:p>
             <a:pPr lvl="1"/>
-            <a:endParaRPr/>
           </a:p>
           <a:p>
             <a:pPr lvl="1"/>
-            <a:endParaRPr/>
           </a:p>
           <a:p>
             <a:pPr lvl="1"/>
-            <a:endParaRPr/>
           </a:p>
         </p:txBody>
       </p:sp>
@@ -4240,7 +4711,7 @@
 </file>
 
 <file path=ppt/slides/slide5.xml><?xml version="1.0" encoding="utf-8"?>
-<p:sld xmlns:a="http://schemas.openxmlformats.org/drawingml/2006/main" xmlns:r="http://schemas.openxmlformats.org/officeDocument/2006/relationships" xmlns:p="http://schemas.openxmlformats.org/presentationml/2006/main">
+<p:sld xmlns:p="http://schemas.openxmlformats.org/presentationml/2006/main" xmlns:mc="http://schemas.openxmlformats.org/markup-compatibility/2006" xmlns:p14="http://schemas.microsoft.com/office/powerpoint/2010/main" xmlns:p15="http://schemas.microsoft.com/office/powerpoint/2012/main" xmlns:r="http://schemas.openxmlformats.org/officeDocument/2006/relationships" xmlns:a="http://schemas.openxmlformats.org/drawingml/2006/main" mc:Ignorable="p14">
   <p:cSld>
     <p:spTree>
       <p:nvGrpSpPr>
@@ -4263,7 +4734,7 @@
             <a:spLocks noGrp="1" noChangeArrowheads="1"/>
             <a:extLst>
               <a:ext uri="smNativeData">
-                <pr:smNativeData xmlns="smNativeData" xmlns:pr="smNativeData" xmlns:p15="http://schemas.microsoft.com/office/powerpoint/2012/main" xmlns:p14="http://schemas.microsoft.com/office/powerpoint/2010/main" xmlns:mc="http://schemas.openxmlformats.org/markup-compatibility/2006" val="SMDATA_15_wwJCaRMAAAAlAAAAZAAAAA8BAAAAkAAAAEgAAACQAAAASAAAAAAAAAABAAAAAAAAAAEAAABQAAAAAAAAAAAA4D8AAAAAAADgPwAAAAAAAOA/AAAAAAAA4D8AAAAAAADgPwAAAAAAAOA/AAAAAAAA4D8AAAAAAADgPwAAAAAAAOA/AAAAAAAA4D8CAAAAjAAAAAAAAAAAAAAAu+DjDP///wgAAAAAAAAAAAAAAAAAAAAAAAAAAAAAAAAAAAAAZAAAAAEAAABAAAAAAAAAAAAAAAAAAAAAAAAAAAAAAAAAAAAAAAAAAAAAAAAAAAAAAAAAAAAAAAAAAAAAAAAAAAAAAAAAAAAAAAAAAAAAAAAAAAAAAAAAAAAAAAAAAAAAFAAAADwAAAAAAAAAAAAAAAAAAAkUAAAAAQAAABQAAAAUAAAAFAAAAAEAAAAAAAAAZAAAAGQAAAAAAAAAZAAAAGQAAAAVAAAAYAAAAAAAAAAAAAAADwAAACADAAAAAAAAAAAAAAEAAACgMgAAVgcAAKr4//8BAAAAf39/AAEAAABkAAAAAAAAABQAAABAHwAAAAAAACYAAAAAAAAAwOD//wAAAAAmAAAAZAAAABYAAABMAAAAAAAAAAAAAAAEAAAAAAAAAAEAAACAgIAKAAAAACgAAAAoAAAAZAAAAGQAAAAAAAAAzMzMAAAAAABQAAAAUAAAAGQAAABkAAAAAAAAABcAAAAUAAAAAAAAAAAAAAD/fwAA/38AAAAAAAAJAAAABAAAAF8AYAAeAAAAaAAAAAAAAAAAAAAAAAAAAAAAAAAAAAAAECcAABAnAAAAAAAAAAAAAAAAAAAAAAAAAAAAAAAAAAAAAAAAAAAAABQAAAAAAAAAwMD/AAAAAABkAAAAMgAAAAAAAABkAAAAAAAAAH9/fwAKAAAAIgAAABgAAAAAAAAAAAAAAAAAAAAAAAAAAAAAAAAAAAAkAAAAJAAAAAAAAAAHAAAAAAAAAAAAAAAAAAAAAAAAAAAAAAAAAAAAf39/ACUAAABYAAAAAAAAAAAAAAAAAAAAAAAAAAAAAAAAAAAAAAAAAAAAAAAAAAAAAAAAAAAAAAA/AAAAAAAAAKCGAQAAAAAAAAAAAAAAAAAMAAAAAQAAAAAAAAAAAAAAAAAAAB8AAABUAAAAAAAABQAAAAEAAAAAAAAAAAAAAAAAAAAAAAAAAAAAAAAAAAAAAAAAAAAAAAJ/f38AAAAAA8zMzADAwP8Af39/AAAAAAAAAAAAAAAAAAAAAAAAAAAAIQAAABgAAAAUAAAAwAMAALABAABARwAAuAgAABAAAAAmAAAACAAAAAAAAAAAAAAA"/>
+                <pr:smNativeData xmlns:pr="smNativeData" xmlns="smNativeData" val="SMDATA_15_SSBGaRMAAAAlAAAAZAAAAA0AAAAAkAAAAEgAAACQAAAASAAAAAAAAAABAAAAAAAAAAEAAABQAAAAAAAAAAAA4D8AAAAAAADgPwAAAAAAAOA/AAAAAAAA4D8AAAAAAADgPwAAAAAAAOA/AAAAAAAA4D8AAAAAAADgPwAAAAAAAOA/AAAAAAAA4D8CAAAAjAAAAAAAAAAAAAAAu+DjDP///wgAAAAAAAAAAAAAAAAAAAAAAAAAAAAAAAAAAAAAZAAAAAEAAABAAAAAAAAAAAAAAAAAAAAAAAAAAAAAAAAAAAAAAAAAAAAAAAAAAAAAAAAAAAAAAAAAAAAAAAAAAAAAAAAAAAAAAAAAAAAAAAAAAAAAAAAAAAAAAAAAAAAAFAAAADwAAAAAAAAAAAAAAAAAAAkUAAAAAQAAABQAAAAUAAAAFAAAAAEAAAAAAAAAZAAAAGQAAAAAAAAAZAAAAGQAAAAVAAAAYAAAAAAAAAAAAAAADwAAACADAAAAAAAAAAAAAAEAAACgMgAAVgcAAKr4//8BAAAAf39/AAEAAABkAAAAAAAAABQAAABAHwAAAAAAACYAAAAAAAAAwOD//wAAAAAmAAAAZAAAABYAAABMAAAAAAAAAAAAAAAEAAAAAAAAAAEAAACAgIAKAAAAACgAAAAoAAAAZAAAAGQAAAAAAAAAzMzMAAAAAABQAAAAUAAAAGQAAABkAAAAAAAAABcAAAAUAAAAAAAAAAAAAAD/fwAA/38AAAAAAAAJAAAABAAAAAAAAAAeAAAAaAAAAAAAAAAAAAAAAAAAAAAAAAAAAAAAECcAABAnAAAAAAAAAAAAAAAAAAAAAAAAAAAAAAAAAAAAAAAAAAAAABQAAAAAAAAAwMD/AAAAAABkAAAAMgAAAAAAAABkAAAAAAAAAH9/fwAKAAAAIgAAABgAAAAAAAAAAAAAAAAAAAAAAAAAAAAAAAAAAAAkAAAAJAAAAAAAAAAHAAAAAAAAAAAAAAAAAAAAAAAAAAAAAAAAAAAAf39/ACUAAABYAAAAAAAAAAAAAAAAAAAAAAAAAAAAAAAAAAAAAAAAAAAAAAAAAAAAAAAAAAAAAAA/AAAAAAAAAKCGAQAAAAAAAAAAAAAAAAAMAAAAAQAAAAAAAAAAAAAAAAAAAB8AAABUAAAAAAAABQAAAAEAAAAAAAAAAAAAAAAAAAAAAAAAAAAAAAAAAAAAAAAAAAAAAAJ/f38AAAAAA8zMzADAwP8Af39/AAAAAAAAAAAAAAAAAAAAAAAAAAAAIQAAABgAAAAUAAAAwAMAALABAABARwAAuAgAABAAAAAmAAAACAAAAAAAAAAAAAAA"/>
               </a:ext>
             </a:extLst>
           </p:cNvSpPr>
@@ -4276,6 +4747,7 @@
           <a:bodyPr/>
           <a:lstStyle/>
           <a:p>
+            <a:pPr/>
             <a:r>
               <a:t>Books and what they cover</a:t>
             </a:r>
@@ -4289,7 +4761,7 @@
             <a:spLocks noGrp="1" noChangeArrowheads="1"/>
             <a:extLst>
               <a:ext uri="smNativeData">
-                <pr:smNativeData xmlns="smNativeData" xmlns:pr="smNativeData" xmlns:p15="http://schemas.microsoft.com/office/powerpoint/2012/main" xmlns:p14="http://schemas.microsoft.com/office/powerpoint/2010/main" xmlns:mc="http://schemas.openxmlformats.org/markup-compatibility/2006" val="SMDATA_15_wwJCaRMAAAAlAAAAZAAAAA8BAAAAkAAAAEgAAACQAAAASAAAAAAAAAAAAAAAAAAAAAEAAABQAAAAAAAAAAAA4D8AAAAAAADgPwAAAAAAAOA/AAAAAAAA4D8AAAAAAADgPwAAAAAAAOA/AAAAAAAA4D8AAAAAAADgPwAAAAAAAOA/AAAAAAAA4D8CAAAAjAAAAAAAAAAAAAAAu+DjDP///wgAAAAAAAAAAAAAAAAAAAAAAAAAAAAAAAAAAAAAZAAAAAEAAABAAAAAAAAAAAAAAAAAAAAAAAAAAAAAAAAAAAAAAAAAAAAAAAAAAAAAAAAAAAAAAAAAAAAAAAAAAAAAAAAAAAAAAAAAAAAAAAAAAAAAAAAAAAAAAAAAAAAAFAAAADwAAAAAAAAAAAAAAAAAAAkUAAAAAQAAABQAAAAUAAAAFAAAAAEAAAAAAAAAZAAAAGQAAAAAAAAAZAAAAGQAAAAVAAAAYAAAAAAAAAAAAAAADwAAACADAAAAAAAAAAAAAAEAAACgMgAAVgcAAKr4//8BAAAAf39/AAEAAABkAAAAAAAAABQAAABAHwAAAAAAACYAAAAAAAAAwOD//wAAAAAmAAAAZAAAABYAAABMAAAAAAAAAAAAAAAEAAAAAAAAAAEAAACAgIAKAAAAACgAAAAoAAAAZAAAAGQAAAAAAAAAzMzMAAAAAABQAAAAUAAAAGQAAABkAAAAAAAAABcAAAAUAAAAAAAAAAAAAAD/fwAA/38AAAAAAAAJAAAABAAAAF8AYAAeAAAAaAAAAAAAAAAAAAAAAAAAAAAAAAAAAAAAECcAABAnAAAAAAAAAAAAAAAAAAAAAAAAAAAAAAAAAAAAAAAAAAAAABQAAAAAAAAAwMD/AAAAAABkAAAAMgAAAAAAAABkAAAAAAAAAH9/fwAKAAAAIgAAABgAAAAAAAAAAAAAAAAAAAAAAAAAAAAAAAAAAAAkAAAAJAAAAAAAAAAHAAAAAAAAAAAAAAAAAAAAAAAAAAAAAAAAAAAAf39/ACUAAABYAAAAAAAAAAAAAAAAAAAAAAAAAAAAAAAAAAAAAAAAAAAAAAAAAAAAAAAAAAAAAAA/AAAAAAAAAKCGAQAAAAAAAAAAAAAAAAAMAAAAAQAAAAAAAAAAAAAAAAAAAB8AAABUAAAAAAAABQAAAAEAAAAAAAAAAAAAAAAAAAAAAAAAAAAAAAAAAAAAAAAAAAAAAAJ/f38AAAAAA8zMzADAwP8Af39/AAAAAAAAAAAAAAAAAAAAAAAAAAAAIQAAABgAAAAUAAAAwAMAANgJAABARwAAsCUAABAAAAAmAAAACAAAAAAAAAAAAAAA"/>
+                <pr:smNativeData xmlns:pr="smNativeData" xmlns="smNativeData" val="SMDATA_15_SSBGaRMAAAAlAAAAZAAAAA0AAAAAkAAAAEgAAACQAAAASAAAAAAAAAAAAAAAAAAAAAEAAABQAAAAAAAAAAAA4D8AAAAAAADgPwAAAAAAAOA/AAAAAAAA4D8AAAAAAADgPwAAAAAAAOA/AAAAAAAA4D8AAAAAAADgPwAAAAAAAOA/AAAAAAAA4D8CAAAAjAAAAAAAAAAAAAAAu+DjDP///wgAAAAAAAAAAAAAAAAAAAAAAAAAAAAAAAAAAAAAZAAAAAEAAABAAAAAAAAAAAAAAAAAAAAAAAAAAAAAAAAAAAAAAAAAAAAAAAAAAAAAAAAAAAAAAAAAAAAAAAAAAAAAAAAAAAAAAAAAAAAAAAAAAAAAAAAAAAAAAAAAAAAAFAAAADwAAAAAAAAAAAAAAAAAAAkUAAAAAQAAABQAAAAUAAAAFAAAAAEAAAAAAAAAZAAAAGQAAAAAAAAAZAAAAGQAAAAVAAAAYAAAAAAAAAAAAAAADwAAACADAAAAAAAAAAAAAAEAAACgMgAAVgcAAKr4//8BAAAAf39/AAEAAABkAAAAAAAAABQAAABAHwAAAAAAACYAAAAAAAAAwOD//wAAAAAmAAAAZAAAABYAAABMAAAAAAAAAAAAAAAEAAAAAAAAAAEAAACAgIAKAAAAACgAAAAoAAAAZAAAAGQAAAAAAAAAzMzMAAAAAABQAAAAUAAAAGQAAABkAAAAAAAAABcAAAAUAAAAAAAAAAAAAAD/fwAA/38AAAAAAAAJAAAABAAAABIAAAAeAAAAaAAAAAAAAAAAAAAAAAAAAAAAAAAAAAAAECcAABAnAAAAAAAAAAAAAAAAAAAAAAAAAAAAAAAAAAAAAAAAAAAAABQAAAAAAAAAwMD/AAAAAABkAAAAMgAAAAAAAABkAAAAAAAAAH9/fwAKAAAAIgAAABgAAAAAAAAAAAAAAAAAAAAAAAAAAAAAAAAAAAAkAAAAJAAAAAAAAAAHAAAAAAAAAAAAAAAAAAAAAAAAAAAAAAAAAAAAf39/ACUAAABYAAAAAAAAAAAAAAAAAAAAAAAAAAAAAAAAAAAAAAAAAAAAAAAAAAAAAAAAAAAAAAA/AAAAAAAAAKCGAQAAAAAAAAAAAAAAAAAMAAAAAQAAAAAAAAAAAAAAAAAAAB8AAABUAAAAAAAABQAAAAEAAAAAAAAAAAAAAAAAAAAAAAAAAAAAAAAAAAAAAAAAAAAAAAJ/f38AAAAAA8zMzADAwP8Af39/AAAAAAAAAAAAAAAAAAAAAAAAAAAAIQAAABgAAAAUAAAAwAMAANgJAABARwAAsCUAABAAAAAmAAAACAAAAAAAAAAAAAAA"/>
               </a:ext>
             </a:extLst>
           </p:cNvSpPr>
@@ -4414,9 +4886,11 @@
             <a:endParaRPr sz="2400" cap="none"/>
           </a:p>
           <a:p>
+            <a:pPr/>
             <a:endParaRPr sz="2400" cap="none"/>
           </a:p>
           <a:p>
+            <a:pPr/>
             <a:endParaRPr sz="2400" cap="none"/>
           </a:p>
         </p:txBody>
@@ -4437,7 +4911,7 @@
 </file>
 
 <file path=ppt/slides/slide6.xml><?xml version="1.0" encoding="utf-8"?>
-<p:sld xmlns:a="http://schemas.openxmlformats.org/drawingml/2006/main" xmlns:r="http://schemas.openxmlformats.org/officeDocument/2006/relationships" xmlns:p="http://schemas.openxmlformats.org/presentationml/2006/main">
+<p:sld xmlns:p="http://schemas.openxmlformats.org/presentationml/2006/main" xmlns:mc="http://schemas.openxmlformats.org/markup-compatibility/2006" xmlns:p14="http://schemas.microsoft.com/office/powerpoint/2010/main" xmlns:p15="http://schemas.microsoft.com/office/powerpoint/2012/main" xmlns:r="http://schemas.openxmlformats.org/officeDocument/2006/relationships" xmlns:a="http://schemas.openxmlformats.org/drawingml/2006/main" mc:Ignorable="p14">
   <p:cSld>
     <p:spTree>
       <p:nvGrpSpPr>
@@ -4460,7 +4934,7 @@
             <a:spLocks noGrp="1" noChangeArrowheads="1"/>
             <a:extLst>
               <a:ext uri="smNativeData">
-                <pr:smNativeData xmlns="smNativeData" xmlns:pr="smNativeData" xmlns:p15="http://schemas.microsoft.com/office/powerpoint/2012/main" xmlns:p14="http://schemas.microsoft.com/office/powerpoint/2010/main" xmlns:mc="http://schemas.openxmlformats.org/markup-compatibility/2006" val="SMDATA_15_wwJCaRMAAAAlAAAAZAAAAA8BAAAAkAAAAEgAAACQAAAASAAAAAAAAAABAAAAAAAAAAEAAABQAAAAAAAAAAAA4D8AAAAAAADgPwAAAAAAAOA/AAAAAAAA4D8AAAAAAADgPwAAAAAAAOA/AAAAAAAA4D8AAAAAAADgPwAAAAAAAOA/AAAAAAAA4D8CAAAAjAAAAAAAAAAAAAAAu+DjDP///wgAAAAAAAAAAAAAAAAAAAAAAAAAAAAAAAAAAAAAZAAAAAEAAABAAAAAAAAAAAAAAAAAAAAAAAAAAAAAAAAAAAAAAAAAAAAAAAAAAAAAAAAAAAAAAAAAAAAAAAAAAAAAAAAAAAAAAAAAAAAAAAAAAAAAAAAAAAAAAAAAAAAAFAAAADwAAAAAAAAAAAAAAAAAAAkUAAAAAQAAABQAAAAUAAAAFAAAAAEAAAAAAAAAZAAAAGQAAAAAAAAAZAAAAGQAAAAVAAAAYAAAAAAAAAAAAAAADwAAACADAAAAAAAAAAAAAAEAAACgMgAAVgcAAKr4//8BAAAAf39/AAEAAABkAAAAAAAAABQAAABAHwAAAAAAACYAAAAAAAAAwOD//wAAAAAmAAAAZAAAABYAAABMAAAAAAAAAAAAAAAEAAAAAAAAAAEAAACAgIAKAAAAACgAAAAoAAAAZAAAAGQAAAAAAAAAzMzMAAAAAABQAAAAUAAAAGQAAABkAAAAAAAAABcAAAAUAAAAAAAAAAAAAAD/fwAA/38AAAAAAAAJAAAABAAAAF8AYAAeAAAAaAAAAAAAAAAAAAAAAAAAAAAAAAAAAAAAECcAABAnAAAAAAAAAAAAAAAAAAAAAAAAAAAAAAAAAAAAAAAAAAAAABQAAAAAAAAAwMD/AAAAAABkAAAAMgAAAAAAAABkAAAAAAAAAH9/fwAKAAAAIgAAABgAAAAAAAAAAAAAAAAAAAAAAAAAAAAAAAAAAAAkAAAAJAAAAAAAAAAHAAAAAAAAAAAAAAAAAAAAAAAAAAAAAAAAAAAAf39/ACUAAABYAAAAAAAAAAAAAAAAAAAAAAAAAAAAAAAAAAAAAAAAAAAAAAAAAAAAAAAAAAAAAAA/AAAAAAAAAKCGAQAAAAAAAAAAAAAAAAAMAAAAAQAAAAAAAAAAAAAAAAAAAB8AAABUAAAAAAAABQAAAAEAAAAAAAAAAAAAAAAAAAAAAAAAAAAAAAAAAAAAAAAAAAAAAAJ/f38AAAAAA8zMzADAwP8Af39/AAAAAAAAAAAAAAAAAAAAAAAAAAAAIQAAABgAAAAUAAAAwAMAALABAABARwAAuAgAAAAAAAAmAAAACAAAAAEAAAAAAAAA"/>
+                <pr:smNativeData xmlns:pr="smNativeData" xmlns="smNativeData" val="SMDATA_15_SSBGaRMAAAAlAAAAZAAAAA0AAAAAkAAAAEgAAACQAAAASAAAAAAAAAABAAAAAAAAAAEAAABQAAAAAAAAAAAA4D8AAAAAAADgPwAAAAAAAOA/AAAAAAAA4D8AAAAAAADgPwAAAAAAAOA/AAAAAAAA4D8AAAAAAADgPwAAAAAAAOA/AAAAAAAA4D8CAAAAjAAAAAAAAAAAAAAAu+DjDP///wgAAAAAAAAAAAAAAAAAAAAAAAAAAAAAAAAAAAAAZAAAAAEAAABAAAAAAAAAAAAAAAAAAAAAAAAAAAAAAAAAAAAAAAAAAAAAAAAAAAAAAAAAAAAAAAAAAAAAAAAAAAAAAAAAAAAAAAAAAAAAAAAAAAAAAAAAAAAAAAAAAAAAFAAAADwAAAAAAAAAAAAAAAAAAAkUAAAAAQAAABQAAAAUAAAAFAAAAAEAAAAAAAAAZAAAAGQAAAAAAAAAZAAAAGQAAAAVAAAAYAAAAAAAAAAAAAAADwAAACADAAAAAAAAAAAAAAEAAACgMgAAVgcAAKr4//8BAAAAf39/AAEAAABkAAAAAAAAABQAAABAHwAAAAAAACYAAAAAAAAAwOD//wAAAAAmAAAAZAAAABYAAABMAAAAAAAAAAAAAAAEAAAAAAAAAAEAAACAgIAKAAAAACgAAAAoAAAAZAAAAGQAAAAAAAAAzMzMAAAAAABQAAAAUAAAAGQAAABkAAAAAAAAABcAAAAUAAAAAAAAAAAAAAD/fwAA/38AAAAAAAAJAAAABAAAAAAAAAAeAAAAaAAAAAAAAAAAAAAAAAAAAAAAAAAAAAAAECcAABAnAAAAAAAAAAAAAAAAAAAAAAAAAAAAAAAAAAAAAAAAAAAAABQAAAAAAAAAwMD/AAAAAABkAAAAMgAAAAAAAABkAAAAAAAAAH9/fwAKAAAAIgAAABgAAAAAAAAAAAAAAAAAAAAAAAAAAAAAAAAAAAAkAAAAJAAAAAAAAAAHAAAAAAAAAAAAAAAAAAAAAAAAAAAAAAAAAAAAf39/ACUAAABYAAAAAAAAAAAAAAAAAAAAAAAAAAAAAAAAAAAAAAAAAAAAAAAAAAAAAAAAAAAAAAA/AAAAAAAAAKCGAQAAAAAAAAAAAAAAAAAMAAAAAQAAAAAAAAAAAAAAAAAAAB8AAABUAAAAAAAABQAAAAEAAAAAAAAAAAAAAAAAAAAAAAAAAAAAAAAAAAAAAAAAAAAAAAJ/f38AAAAAA8zMzADAwP8Af39/AAAAAAAAAAAAAAAAAAAAAAAAAAAAIQAAABgAAAAUAAAAwAMAALABAABARwAAuAgAABAAAAAmAAAACAAAAAAAAAAAAAAA"/>
               </a:ext>
             </a:extLst>
           </p:cNvSpPr>
@@ -4468,16 +4942,12 @@
             <p:ph type="title"/>
           </p:nvPr>
         </p:nvSpPr>
-        <p:spPr>
-          <a:xfrm>
-            <a:off x="609600" y="274320"/>
-            <a:ext cx="10972800" cy="1143000"/>
-          </a:xfrm>
-        </p:spPr>
-        <p:txBody>
-          <a:bodyPr/>
-          <a:lstStyle/>
-          <a:p>
+        <p:spPr/>
+        <p:txBody>
+          <a:bodyPr/>
+          <a:lstStyle/>
+          <a:p>
+            <a:pPr/>
             <a:r>
               <a:t>Dynamic Computation Graph</a:t>
             </a:r>
@@ -4491,7 +4961,7 @@
             <a:spLocks noGrp="1" noChangeArrowheads="1"/>
             <a:extLst>
               <a:ext uri="smNativeData">
-                <pr:smNativeData xmlns="smNativeData" xmlns:pr="smNativeData" xmlns:p15="http://schemas.microsoft.com/office/powerpoint/2012/main" xmlns:p14="http://schemas.microsoft.com/office/powerpoint/2010/main" xmlns:mc="http://schemas.openxmlformats.org/markup-compatibility/2006" val="SMDATA_15_wwJCaRMAAAAlAAAAZAAAAA8BAAAAkAAAAEgAAACQAAAASAAAAAAAAAAAAAAAAAAAAAEAAABQAAAAAAAAAAAA4D8AAAAAAADgPwAAAAAAAOA/AAAAAAAA4D8AAAAAAADgPwAAAAAAAOA/AAAAAAAA4D8AAAAAAADgPwAAAAAAAOA/AAAAAAAA4D8CAAAAjAAAAAAAAAAAAAAAu+DjDP///wgAAAAAAAAAAAAAAAAAAAAAAAAAAAAAAAAAAAAAZAAAAAEAAABAAAAAAAAAAAAAAAAAAAAAAAAAAAAAAAAAAAAAAAAAAAAAAAAAAAAAAAAAAAAAAAAAAAAAAAAAAAAAAAAAAAAAAAAAAAAAAAAAAAAAAAAAAAAAAAAAAAAAFAAAADwAAAAAAAAAAAAAAAAAAAkUAAAAAQAAABQAAAAUAAAAFAAAAAEAAAAAAAAAZAAAAGQAAAAAAAAAZAAAAGQAAAAVAAAAYAAAAAAAAAAAAAAADwAAACADAAAAAAAAAAAAAAEAAACgMgAAVgcAAKr4//8BAAAAf39/AAEAAABkAAAAAAAAABQAAABAHwAAAAAAACYAAAAAAAAAwOD//wAAAAAmAAAAZAAAABYAAABMAAAAAAAAAAAAAAAEAAAAAAAAAAEAAACAgIAKAAAAACgAAAAoAAAAZAAAAGQAAAAAAAAAzMzMAAAAAABQAAAAUAAAAGQAAABkAAAAAAAAABcAAAAUAAAAAAAAAAAAAAD/fwAA/38AAAAAAAAJAAAABAAAAF8AYAAeAAAAaAAAAAAAAAAAAAAAAAAAAAAAAAAAAAAAECcAABAnAAAAAAAAAAAAAAAAAAAAAAAAAAAAAAAAAAAAAAAAAAAAABQAAAAAAAAAwMD/AAAAAABkAAAAMgAAAAAAAABkAAAAAAAAAH9/fwAKAAAAIgAAABgAAAAAAAAAAAAAAAAAAAAAAAAAAAAAAAAAAAAkAAAAJAAAAAAAAAAHAAAAAAAAAAAAAAAAAAAAAAAAAAAAAAAAAAAAf39/ACUAAABYAAAAAAAAAAAAAAAAAAAAAAAAAAAAAAAAAAAAAAAAAAAAAAAAAAAAAAAAAAAAAAA/AAAAAAAAAKCGAQAAAAAAAAAAAAAAAAAMAAAAAQAAAAAAAAAAAAAAAAAAAB8AAABUAAAAAAAABQAAAAEAAAAAAAAAAAAAAAAAAAAAAAAAAAAAAAAAAAAAAAAAAAAAAAJ/f38AAAAAA8zMzADAwP8Af39/AAAAAAAAAAAAAAAAAAAAAAAAAAAAIQAAABgAAAAUAAAAwAMAANgJAABARwAAsCUAAAAAAAAmAAAACAAAAAEAAAAAAAAA"/>
+                <pr:smNativeData xmlns:pr="smNativeData" xmlns="smNativeData" val="SMDATA_15_SSBGaRMAAAAlAAAAZAAAAA0AAAAAkAAAAEgAAACQAAAASAAAAAAAAAAAAAAAAAAAAAEAAABQAAAAAAAAAAAA4D8AAAAAAADgPwAAAAAAAOA/AAAAAAAA4D8AAAAAAADgPwAAAAAAAOA/AAAAAAAA4D8AAAAAAADgPwAAAAAAAOA/AAAAAAAA4D8CAAAAjAAAAAAAAAAAAAAAu+DjDP///wgAAAAAAAAAAAAAAAAAAAAAAAAAAAAAAAAAAAAAZAAAAAEAAABAAAAAAAAAAAAAAAAAAAAAAAAAAAAAAAAAAAAAAAAAAAAAAAAAAAAAAAAAAAAAAAAAAAAAAAAAAAAAAAAAAAAAAAAAAAAAAAAAAAAAAAAAAAAAAAAAAAAAFAAAADwAAAAAAAAAAAAAAAAAAAkUAAAAAQAAABQAAAAUAAAAFAAAAAEAAAAAAAAAZAAAAGQAAAAAAAAAZAAAAGQAAAAVAAAAYAAAAAAAAAAAAAAADwAAACADAAAAAAAAAAAAAAEAAACgMgAAVgcAAKr4//8BAAAAf39/AAEAAABkAAAAAAAAABQAAABAHwAAAAAAACYAAAAAAAAAwOD//wAAAAAmAAAAZAAAABYAAABMAAAAAAAAAAAAAAAEAAAAAAAAAAEAAACAgIAKAAAAACgAAAAoAAAAZAAAAGQAAAAAAAAAzMzMAAAAAABQAAAAUAAAAGQAAABkAAAAAAAAABcAAAAUAAAAAAAAAAAAAAD/fwAA/38AAAAAAAAJAAAABAAAAF8AYAAeAAAAaAAAAAAAAAAAAAAAAAAAAAAAAAAAAAAAECcAABAnAAAAAAAAAAAAAAAAAAAAAAAAAAAAAAAAAAAAAAAAAAAAABQAAAAAAAAAwMD/AAAAAABkAAAAMgAAAAAAAABkAAAAAAAAAH9/fwAKAAAAIgAAABgAAAAAAAAAAAAAAAAAAAAAAAAAAAAAAAAAAAAkAAAAJAAAAAAAAAAHAAAAAAAAAAAAAAAAAAAAAAAAAAAAAAAAAAAAf39/ACUAAABYAAAAAAAAAAAAAAAAAAAAAAAAAAAAAAAAAAAAAAAAAAAAAAAAAAAAAAAAAAAAAAA/AAAAAAAAAKCGAQAAAAAAAAAAAAAAAAAMAAAAAQAAAAAAAAAAAAAAAAAAAB8AAABUAAAAAAAABQAAAAEAAAAAAAAAAAAAAAAAAAAAAAAAAAAAAAAAAAAAAAAAAAAAAAJ/f38AAAAAA8zMzADAwP8Af39/AAAAAAAAAAAAAAAAAAAAAAAAAAAAIQAAABgAAAAUAAAAwAMAANgJAABARwAAsCUAABAAAAAmAAAACAAAAAAAAAAAAAAA"/>
               </a:ext>
             </a:extLst>
           </p:cNvSpPr>
@@ -4499,16 +4969,12 @@
             <p:ph type="body" idx="1"/>
           </p:nvPr>
         </p:nvSpPr>
-        <p:spPr>
-          <a:xfrm>
-            <a:off x="609600" y="1600200"/>
-            <a:ext cx="10972800" cy="4526280"/>
-          </a:xfrm>
-        </p:spPr>
-        <p:txBody>
-          <a:bodyPr/>
-          <a:lstStyle/>
-          <a:p>
+        <p:spPr/>
+        <p:txBody>
+          <a:bodyPr/>
+          <a:lstStyle/>
+          <a:p>
+            <a:pPr/>
             <a:r>
               <a:t>DAG (Directed Acyclic Graph) of operations</a:t>
             </a:r>
@@ -4527,10 +4993,9 @@
           </a:p>
           <a:p>
             <a:pPr lvl="1"/>
-            <a:endParaRPr/>
-          </a:p>
-          <a:p>
-            <a:endParaRPr/>
+          </a:p>
+          <a:p>
+            <a:pPr/>
           </a:p>
         </p:txBody>
       </p:sp>
@@ -4550,7 +5015,7 @@
 </file>
 
 <file path=ppt/slides/slide7.xml><?xml version="1.0" encoding="utf-8"?>
-<p:sld xmlns:a="http://schemas.openxmlformats.org/drawingml/2006/main" xmlns:r="http://schemas.openxmlformats.org/officeDocument/2006/relationships" xmlns:p="http://schemas.openxmlformats.org/presentationml/2006/main">
+<p:sld xmlns:p="http://schemas.openxmlformats.org/presentationml/2006/main" xmlns:mc="http://schemas.openxmlformats.org/markup-compatibility/2006" xmlns:p14="http://schemas.microsoft.com/office/powerpoint/2010/main" xmlns:p15="http://schemas.microsoft.com/office/powerpoint/2012/main" xmlns:r="http://schemas.openxmlformats.org/officeDocument/2006/relationships" xmlns:a="http://schemas.openxmlformats.org/drawingml/2006/main" mc:Ignorable="p14">
   <p:cSld>
     <p:spTree>
       <p:nvGrpSpPr>
@@ -4573,7 +5038,7 @@
             <a:spLocks noGrp="1" noChangeArrowheads="1"/>
             <a:extLst>
               <a:ext uri="smNativeData">
-                <pr:smNativeData xmlns="smNativeData" xmlns:pr="smNativeData" xmlns:p15="http://schemas.microsoft.com/office/powerpoint/2012/main" xmlns:p14="http://schemas.microsoft.com/office/powerpoint/2010/main" xmlns:mc="http://schemas.openxmlformats.org/markup-compatibility/2006" val="SMDATA_15_wwJCaRMAAAAlAAAAZAAAAA8BAAAAkAAAAEgAAACQAAAASAAAAAAAAAABAAAAAAAAAAEAAABQAAAAAAAAAAAA4D8AAAAAAADgPwAAAAAAAOA/AAAAAAAA4D8AAAAAAADgPwAAAAAAAOA/AAAAAAAA4D8AAAAAAADgPwAAAAAAAOA/AAAAAAAA4D8CAAAAjAAAAAAAAAAAAAAAu+DjDP///wgAAAAAAAAAAAAAAAAAAAAAAAAAAAAAAAAAAAAAZAAAAAEAAABAAAAAAAAAAAAAAAAAAAAAAAAAAAAAAAAAAAAAAAAAAAAAAAAAAAAAAAAAAAAAAAAAAAAAAAAAAAAAAAAAAAAAAAAAAAAAAAAAAAAAAAAAAAAAAAAAAAAAFAAAADwAAAAAAAAAAAAAAAAAAAkUAAAAAQAAABQAAAAUAAAAFAAAAAEAAAAAAAAAZAAAAGQAAAAAAAAAZAAAAGQAAAAVAAAAYAAAAAAAAAAAAAAADwAAACADAAAAAAAAAAAAAAEAAACgMgAAVgcAAKr4//8BAAAAf39/AAEAAABkAAAAAAAAABQAAABAHwAAAAAAACYAAAAAAAAAwOD//wAAAAAmAAAAZAAAABYAAABMAAAAAAAAAAAAAAAEAAAAAAAAAAEAAACAgIAKAAAAACgAAAAoAAAAZAAAAGQAAAAAAAAAzMzMAAAAAABQAAAAUAAAAGQAAABkAAAAAAAAABcAAAAUAAAAAAAAAAAAAAD/fwAA/38AAAAAAAAJAAAABAAAAF8AYAAeAAAAaAAAAAAAAAAAAAAAAAAAAAAAAAAAAAAAECcAABAnAAAAAAAAAAAAAAAAAAAAAAAAAAAAAAAAAAAAAAAAAAAAABQAAAAAAAAAwMD/AAAAAABkAAAAMgAAAAAAAABkAAAAAAAAAH9/fwAKAAAAIgAAABgAAAAAAAAAAAAAAAAAAAAAAAAAAAAAAAAAAAAkAAAAJAAAAAAAAAAHAAAAAAAAAAAAAAAAAAAAAAAAAAAAAAAAAAAAf39/ACUAAABYAAAAAAAAAAAAAAAAAAAAAAAAAAAAAAAAAAAAAAAAAAAAAAAAAAAAAAAAAAAAAAA/AAAAAAAAAKCGAQAAAAAAAAAAAAAAAAAMAAAAAQAAAAAAAAAAAAAAAAAAAB8AAABUAAAAAAAABQAAAAEAAAAAAAAAAAAAAAAAAAAAAAAAAAAAAAAAAAAAAAAAAAAAAAJ/f38AAAAAA8zMzADAwP8Af39/AAAAAAAAAAAAAAAAAAAAAAAAAAAAIQAAABgAAAAUAAAAwAMAALABAABARwAAuAgAAAAAAAAmAAAACAAAAAEAAAAAAAAA"/>
+                <pr:smNativeData xmlns:pr="smNativeData" xmlns="smNativeData" val="SMDATA_15_SSBGaRMAAAAlAAAAZAAAAA0AAAAAkAAAAEgAAACQAAAASAAAAAAAAAABAAAAAAAAAAEAAABQAAAAAAAAAAAA4D8AAAAAAADgPwAAAAAAAOA/AAAAAAAA4D8AAAAAAADgPwAAAAAAAOA/AAAAAAAA4D8AAAAAAADgPwAAAAAAAOA/AAAAAAAA4D8CAAAAjAAAAAAAAAAAAAAAu+DjDP///wgAAAAAAAAAAAAAAAAAAAAAAAAAAAAAAAAAAAAAZAAAAAEAAABAAAAAAAAAAAAAAAAAAAAAAAAAAAAAAAAAAAAAAAAAAAAAAAAAAAAAAAAAAAAAAAAAAAAAAAAAAAAAAAAAAAAAAAAAAAAAAAAAAAAAAAAAAAAAAAAAAAAAFAAAADwAAAAAAAAAAAAAAAAAAAkUAAAAAQAAABQAAAAUAAAAFAAAAAEAAAAAAAAAZAAAAGQAAAAAAAAAZAAAAGQAAAAVAAAAYAAAAAAAAAAAAAAADwAAACADAAAAAAAAAAAAAAEAAACgMgAAVgcAAKr4//8BAAAAf39/AAEAAABkAAAAAAAAABQAAABAHwAAAAAAACYAAAAAAAAAwOD//wAAAAAmAAAAZAAAABYAAABMAAAAAAAAAAAAAAAEAAAAAAAAAAEAAACAgIAKAAAAACgAAAAoAAAAZAAAAGQAAAAAAAAAzMzMAAAAAABQAAAAUAAAAGQAAABkAAAAAAAAABcAAAAUAAAAAAAAAAAAAAD/fwAA/38AAAAAAAAJAAAABAAAAF8AYAAeAAAAaAAAAAAAAAAAAAAAAAAAAAAAAAAAAAAAECcAABAnAAAAAAAAAAAAAAAAAAAAAAAAAAAAAAAAAAAAAAAAAAAAABQAAAAAAAAAwMD/AAAAAABkAAAAMgAAAAAAAABkAAAAAAAAAH9/fwAKAAAAIgAAABgAAAAAAAAAAAAAAAAAAAAAAAAAAAAAAAAAAAAkAAAAJAAAAAAAAAAHAAAAAAAAAAAAAAAAAAAAAAAAAAAAAAAAAAAAf39/ACUAAABYAAAAAAAAAAAAAAAAAAAAAAAAAAAAAAAAAAAAAAAAAAAAAAAAAAAAAAAAAAAAAAA/AAAAAAAAAKCGAQAAAAAAAAAAAAAAAAAMAAAAAQAAAAAAAAAAAAAAAAAAAB8AAABUAAAAAAAABQAAAAEAAAAAAAAAAAAAAAAAAAAAAAAAAAAAAAAAAAAAAAAAAAAAAAJ/f38AAAAAA8zMzADAwP8Af39/AAAAAAAAAAAAAAAAAAAAAAAAAAAAIQAAABgAAAAUAAAAwAMAALABAABARwAAuAgAABAAAAAmAAAACAAAAAAAAAAAAAAA"/>
               </a:ext>
             </a:extLst>
           </p:cNvSpPr>
@@ -4581,16 +5046,12 @@
             <p:ph type="title"/>
           </p:nvPr>
         </p:nvSpPr>
-        <p:spPr>
-          <a:xfrm>
-            <a:off x="609600" y="274320"/>
-            <a:ext cx="10972800" cy="1143000"/>
-          </a:xfrm>
-        </p:spPr>
-        <p:txBody>
-          <a:bodyPr/>
-          <a:lstStyle/>
-          <a:p>
+        <p:spPr/>
+        <p:txBody>
+          <a:bodyPr/>
+          <a:lstStyle/>
+          <a:p>
+            <a:pPr/>
             <a:r>
               <a:t>Inherit from nn.Module to create Neural Net</a:t>
             </a:r>
@@ -4604,7 +5065,7 @@
             <a:spLocks noGrp="1" noChangeArrowheads="1"/>
             <a:extLst>
               <a:ext uri="smNativeData">
-                <pr:smNativeData xmlns="smNativeData" xmlns:pr="smNativeData" xmlns:p15="http://schemas.microsoft.com/office/powerpoint/2012/main" xmlns:p14="http://schemas.microsoft.com/office/powerpoint/2010/main" xmlns:mc="http://schemas.openxmlformats.org/markup-compatibility/2006" val="SMDATA_15_wwJCaRMAAAAlAAAAZAAAAA8BAAAAkAAAAEgAAACQAAAASAAAAAAAAAAAAAAAAAAAAAEAAABQAAAAAAAAAAAA4D8AAAAAAADgPwAAAAAAAOA/AAAAAAAA4D8AAAAAAADgPwAAAAAAAOA/AAAAAAAA4D8AAAAAAADgPwAAAAAAAOA/AAAAAAAA4D8CAAAAjAAAAAAAAAAAAAAAu+DjDP///wgAAAAAAAAAAAAAAAAAAAAAAAAAAAAAAAAAAAAAZAAAAAEAAABAAAAAAAAAAAAAAAAAAAAAAAAAAAAAAAAAAAAAAAAAAAAAAAAAAAAAAAAAAAAAAAAAAAAAAAAAAAAAAAAAAAAAAAAAAAAAAAAAAAAAAAAAAAAAAAAAAAAAFAAAADwAAAAAAAAAAAAAAAAAAAkUAAAAAQAAABQAAAAUAAAAFAAAAAEAAAAAAAAAZAAAAGQAAAAAAAAAZAAAAGQAAAAVAAAAYAAAAAAAAAAAAAAADwAAACADAAAAAAAAAAAAAAEAAACgMgAAVgcAAKr4//8BAAAAf39/AAEAAABkAAAAAAAAABQAAABAHwAAAAAAACYAAAAAAAAAwOD//wAAAAAmAAAAZAAAABYAAABMAAAAAAAAAAAAAAAEAAAAAAAAAAEAAACAgIAKAAAAACgAAAAoAAAAZAAAAGQAAAAAAAAAzMzMAAAAAABQAAAAUAAAAGQAAABkAAAAAAAAABcAAAAUAAAAAAAAAAAAAAD/fwAA/38AAAAAAAAJAAAABAAAAF8AYAAeAAAAaAAAAAAAAAAAAAAAAAAAAAAAAAAAAAAAECcAABAnAAAAAAAAAAAAAAAAAAAAAAAAAAAAAAAAAAAAAAAAAAAAABQAAAAAAAAAwMD/AAAAAABkAAAAMgAAAAAAAABkAAAAAAAAAH9/fwAKAAAAIgAAABgAAAAAAAAAAAAAAAAAAAAAAAAAAAAAAAAAAAAkAAAAJAAAAAAAAAAHAAAAAAAAAAAAAAAAAAAAAAAAAAAAAAAAAAAAf39/ACUAAABYAAAAAAAAAAAAAAAAAAAAAAAAAAAAAAAAAAAAAAAAAAAAAAAAAAAAAAAAAAAAAAA/AAAAAAAAAKCGAQAAAAAAAAAAAAAAAAAMAAAAAQAAAAAAAAAAAAAAAAAAAB8AAABUAAAAAAAABQAAAAEAAAAAAAAAAAAAAAAAAAAAAAAAAAAAAAAAAAAAAAAAAAAAAAJ/f38AAAAAA8zMzADAwP8Af39/AAAAAAAAAAAAAAAAAAAAAAAAAAAAIQAAABgAAAAUAAAAwAMAANgJAABARwAAsCUAAAAAAAAmAAAACAAAAAEAAAAAAAAA"/>
+                <pr:smNativeData xmlns:pr="smNativeData" xmlns="smNativeData" val="SMDATA_15_SSBGaRMAAAAlAAAAZAAAAA0AAAAAkAAAAEgAAACQAAAASAAAAAAAAAAAAAAAAAAAAAEAAABQAAAAAAAAAAAA4D8AAAAAAADgPwAAAAAAAOA/AAAAAAAA4D8AAAAAAADgPwAAAAAAAOA/AAAAAAAA4D8AAAAAAADgPwAAAAAAAOA/AAAAAAAA4D8CAAAAjAAAAAAAAAAAAAAAu+DjDP///wgAAAAAAAAAAAAAAAAAAAAAAAAAAAAAAAAAAAAAZAAAAAEAAABAAAAAAAAAAAAAAAAAAAAAAAAAAAAAAAAAAAAAAAAAAAAAAAAAAAAAAAAAAAAAAAAAAAAAAAAAAAAAAAAAAAAAAAAAAAAAAAAAAAAAAAAAAAAAAAAAAAAAFAAAADwAAAAAAAAAAAAAAAAAAAkUAAAAAQAAABQAAAAUAAAAFAAAAAEAAAAAAAAAZAAAAGQAAAAAAAAAZAAAAGQAAAAVAAAAYAAAAAAAAAAAAAAADwAAACADAAAAAAAAAAAAAAEAAACgMgAAVgcAAKr4//8BAAAAf39/AAEAAABkAAAAAAAAABQAAABAHwAAAAAAACYAAAAAAAAAwOD//wAAAAAmAAAAZAAAABYAAABMAAAAAAAAAAAAAAAEAAAAAAAAAAEAAACAgIAKAAAAACgAAAAoAAAAZAAAAGQAAAAAAAAAzMzMAAAAAABQAAAAUAAAAGQAAABkAAAAAAAAABcAAAAUAAAAAAAAAAAAAAD/fwAA/38AAAAAAAAJAAAABAAAAF8AYAAeAAAAaAAAAAAAAAAAAAAAAAAAAAAAAAAAAAAAECcAABAnAAAAAAAAAAAAAAAAAAAAAAAAAAAAAAAAAAAAAAAAAAAAABQAAAAAAAAAwMD/AAAAAABkAAAAMgAAAAAAAABkAAAAAAAAAH9/fwAKAAAAIgAAABgAAAAAAAAAAAAAAAAAAAAAAAAAAAAAAAAAAAAkAAAAJAAAAAAAAAAHAAAAAAAAAAAAAAAAAAAAAAAAAAAAAAAAAAAAf39/ACUAAABYAAAAAAAAAAAAAAAAAAAAAAAAAAAAAAAAAAAAAAAAAAAAAAAAAAAAAAAAAAAAAAA/AAAAAAAAAKCGAQAAAAAAAAAAAAAAAAAMAAAAAQAAAAAAAAAAAAAAAAAAAB8AAABUAAAAAAAABQAAAAEAAAAAAAAAAAAAAAAAAAAAAAAAAAAAAAAAAAAAAAAAAAAAAAJ/f38AAAAAA8zMzADAwP8Af39/AAAAAAAAAAAAAAAAAAAAAAAAAAAAIQAAABgAAAAUAAAAwAMAANgJAABARwAAsCUAABAAAAAmAAAACAAAAAAAAAAAAAAA"/>
               </a:ext>
             </a:extLst>
           </p:cNvSpPr>
@@ -4612,16 +5073,12 @@
             <p:ph type="body" idx="1"/>
           </p:nvPr>
         </p:nvSpPr>
-        <p:spPr>
-          <a:xfrm>
-            <a:off x="609600" y="1600200"/>
-            <a:ext cx="10972800" cy="4526280"/>
-          </a:xfrm>
-        </p:spPr>
-        <p:txBody>
-          <a:bodyPr/>
-          <a:lstStyle/>
-          <a:p>
+        <p:spPr/>
+        <p:txBody>
+          <a:bodyPr/>
+          <a:lstStyle/>
+          <a:p>
+            <a:pPr/>
             <a:r>
               <a:t>class MyNet(nn.Module):</a:t>
             </a:r>
@@ -4694,10 +5151,9 @@
           </a:p>
           <a:p>
             <a:pPr lvl="2"/>
-            <a:endParaRPr/>
-          </a:p>
-          <a:p>
-            <a:endParaRPr/>
+          </a:p>
+          <a:p>
+            <a:pPr/>
           </a:p>
         </p:txBody>
       </p:sp>
@@ -4717,7 +5173,7 @@
 </file>
 
 <file path=ppt/slides/slide8.xml><?xml version="1.0" encoding="utf-8"?>
-<p:sld xmlns:a="http://schemas.openxmlformats.org/drawingml/2006/main" xmlns:r="http://schemas.openxmlformats.org/officeDocument/2006/relationships" xmlns:p="http://schemas.openxmlformats.org/presentationml/2006/main">
+<p:sld xmlns:p="http://schemas.openxmlformats.org/presentationml/2006/main" xmlns:mc="http://schemas.openxmlformats.org/markup-compatibility/2006" xmlns:p14="http://schemas.microsoft.com/office/powerpoint/2010/main" xmlns:p15="http://schemas.microsoft.com/office/powerpoint/2012/main" xmlns:r="http://schemas.openxmlformats.org/officeDocument/2006/relationships" xmlns:a="http://schemas.openxmlformats.org/drawingml/2006/main" mc:Ignorable="p14">
   <p:cSld>
     <p:spTree>
       <p:nvGrpSpPr>
@@ -4737,7 +5193,12 @@
         <p:nvSpPr>
           <p:cNvPr id="2" name="Title 1"/>
           <p:cNvSpPr>
-            <a:spLocks noGrp="1"/>
+            <a:spLocks noGrp="1" noChangeArrowheads="1"/>
+            <a:extLst>
+              <a:ext uri="smNativeData">
+                <pr:smNativeData xmlns:pr="smNativeData" xmlns="smNativeData" val="SMDATA_15_SSBGaRMAAAAlAAAAZAAAAA0AAAAAkAAAAEgAAACQAAAASAAAAAAAAAABAAAAAAAAAAEAAABQAAAAAAAAAAAA4D8AAAAAAADgPwAAAAAAAOA/AAAAAAAA4D8AAAAAAADgPwAAAAAAAOA/AAAAAAAA4D8AAAAAAADgPwAAAAAAAOA/AAAAAAAA4D8CAAAAjAAAAAAAAAAAAAAAu+DjDP///wgAAAAAAAAAAAAAAAAAAAAAAAAAAAAAAAAAAAAAZAAAAAEAAABAAAAAAAAAAAAAAAAAAAAAAAAAAAAAAAAAAAAAAAAAAAAAAAAAAAAAAAAAAAAAAAAAAAAAAAAAAAAAAAAAAAAAAAAAAAAAAAAAAAAAAAAAAAAAAAAAAAAAFAAAADwAAAAAAAAAAAAAAAAAAAkUAAAAAQAAABQAAAAUAAAAFAAAAAEAAAAAAAAAZAAAAGQAAAAAAAAAZAAAAGQAAAAVAAAAYAAAAAAAAAAAAAAADwAAACADAAAAAAAAAAAAAAEAAACgMgAAVgcAAKr4//8BAAAAf39/AAEAAABkAAAAAAAAABQAAABAHwAAAAAAACYAAAAAAAAAwOD//wAAAAAmAAAAZAAAABYAAABMAAAAAAAAAAAAAAAEAAAAAAAAAAEAAACAgIAKAAAAACgAAAAoAAAAZAAAAGQAAAAAAAAAzMzMAAAAAABQAAAAUAAAAGQAAABkAAAAAAAAABcAAAAUAAAAAAAAAAAAAAD/fwAA/38AAAAAAAAJAAAABAAAAAAAAAAeAAAAaAAAAAAAAAAAAAAAAAAAAAAAAAAAAAAAECcAABAnAAAAAAAAAAAAAAAAAAAAAAAAAAAAAAAAAAAAAAAAAAAAABQAAAAAAAAAwMD/AAAAAABkAAAAMgAAAAAAAABkAAAAAAAAAH9/fwAKAAAAIgAAABgAAAAAAAAAAAAAAAAAAAAAAAAAAAAAAAAAAAAkAAAAJAAAAAAAAAAHAAAAAAAAAAAAAAAAAAAAAAAAAAAAAAAAAAAAf39/ACUAAABYAAAAAAAAAAAAAAAAAAAAAAAAAAAAAAAAAAAAAAAAAAAAAAAAAAAAAAAAAAAAAAA/AAAAAAAAAKCGAQAAAAAAAAAAAAAAAAAMAAAAAQAAAAAAAAAAAAAAAAAAAB8AAABUAAAAAAAABQAAAAEAAAAAAAAAAAAAAAAAAAAAAAAAAAAAAAAAAAAAAAAAAAAAAAJ/f38AAAAAA8zMzADAwP8Af39/AAAAAAAAAAAAAAAAAAAAAAAAAAAAIQAAABgAAAAUAAAAwAMAALABAABARwAAuAgAABAAAAAmAAAACAAAAAAAAAAAAAAA"/>
+              </a:ext>
+            </a:extLst>
           </p:cNvSpPr>
           <p:nvPr>
             <p:ph type="title"/>
@@ -4748,11 +5209,12 @@
           <a:bodyPr/>
           <a:lstStyle/>
           <a:p>
-            <a:r>
-              <a:rPr lang="en-US" dirty="0" err="1" smtClean="0"/>
+            <a:pPr/>
+            <a:r>
+              <a:rPr lang="en-us" cap="none"/>
               <a:t>TorchVision</a:t>
             </a:r>
-            <a:endParaRPr lang="en-US" dirty="0"/>
+            <a:endParaRPr lang="en-us" cap="none"/>
           </a:p>
         </p:txBody>
       </p:sp>
@@ -4760,10 +5222,15 @@
         <p:nvSpPr>
           <p:cNvPr id="3" name="Content Placeholder 2"/>
           <p:cNvSpPr>
-            <a:spLocks noGrp="1"/>
-          </p:cNvSpPr>
-          <p:nvPr>
-            <p:ph idx="1"/>
+            <a:spLocks noGrp="1" noChangeArrowheads="1"/>
+            <a:extLst>
+              <a:ext uri="smNativeData">
+                <pr:smNativeData xmlns:pr="smNativeData" xmlns="smNativeData" val="SMDATA_15_SSBGaRMAAAAlAAAAZAAAAA0AAAAAkAAAAEgAAACQAAAASAAAAAAAAAAAAAAAAAAAAAEAAABQAAAAAAAAAAAA4D8AAAAAAADgPwAAAAAAAOA/AAAAAAAA4D8AAAAAAADgPwAAAAAAAOA/AAAAAAAA4D8AAAAAAADgPwAAAAAAAOA/AAAAAAAA4D8CAAAAjAAAAAAAAAAAAAAAu+DjDP///wgAAAAAAAAAAAAAAAAAAAAAAAAAAAAAAAAAAAAAZAAAAAEAAABAAAAAAAAAAAAAAAAAAAAAAAAAAAAAAAAAAAAAAAAAAAAAAAAAAAAAAAAAAAAAAAAAAAAAAAAAAAAAAAAAAAAAAAAAAAAAAAAAAAAAAAAAAAAAAAAAAAAAFAAAADwAAAAAAAAAAAAAAAAAAAkUAAAAAQAAABQAAAAUAAAAFAAAAAEAAAAAAAAAZAAAAGQAAAAAAAAAZAAAAGQAAAAVAAAAYAAAAAAAAAAAAAAADwAAACADAAAAAAAAAAAAAAEAAACgMgAAVgcAAKr4//8BAAAAf39/AAEAAABkAAAAAAAAABQAAABAHwAAAAAAACYAAAAAAAAAwOD//wAAAAAmAAAAZAAAABYAAABMAAAAAAAAAAAAAAAEAAAAAAAAAAEAAACAgIAKAAAAACgAAAAoAAAAZAAAAGQAAAAAAAAAzMzMAAAAAABQAAAAUAAAAGQAAABkAAAAAAAAABcAAAAUAAAAAAAAAAAAAAD/fwAA/38AAAAAAAAJAAAABAAAAF8AYAAeAAAAaAAAAAAAAAAAAAAAAAAAAAAAAAAAAAAAECcAABAnAAAAAAAAAAAAAAAAAAAAAAAAAAAAAAAAAAAAAAAAAAAAABQAAAAAAAAAwMD/AAAAAABkAAAAMgAAAAAAAABkAAAAAAAAAH9/fwAKAAAAIgAAABgAAAAAAAAAAAAAAAAAAAAAAAAAAAAAAAAAAAAkAAAAJAAAAAAAAAAHAAAAAAAAAAAAAAAAAAAAAAAAAAAAAAAAAAAAf39/ACUAAABYAAAAAAAAAAAAAAAAAAAAAAAAAAAAAAAAAAAAAAAAAAAAAAAAAAAAAAAAAAAAAAA/AAAAAAAAAKCGAQAAAAAAAAAAAAAAAAAMAAAAAQAAAAAAAAAAAAAAAAAAAB8AAABUAAAAAAAABQAAAAEAAAAAAAAAAAAAAAAAAAAAAAAAAAAAAAAAAAAAAAAAAAAAAAJ/f38AAAAAA8zMzADAwP8Af39/AAAAAAAAAAAAAAAAAAAAAAAAAAAAIQAAABgAAAAUAAAAwAMAANgJAABARwAAchIAAAAAAAAmAAAACAAAAAEAAAAAAAAA"/>
+              </a:ext>
+            </a:extLst>
+          </p:cNvSpPr>
+          <p:nvPr>
+            <p:ph type="body" idx="1"/>
           </p:nvPr>
         </p:nvSpPr>
         <p:spPr>
@@ -4776,65 +5243,68 @@
           <a:bodyPr/>
           <a:lstStyle/>
           <a:p>
-            <a:r>
-              <a:rPr lang="en-US" dirty="0" smtClean="0"/>
+            <a:pPr/>
+            <a:r>
+              <a:rPr lang="en-us" cap="none"/>
               <a:t>Transforms / datasets / models for computer vision</a:t>
             </a:r>
-          </a:p>
-          <a:p>
-            <a:r>
-              <a:rPr lang="en-US" dirty="0" smtClean="0"/>
+            <a:endParaRPr lang="en-us" cap="none"/>
+          </a:p>
+          <a:p>
+            <a:pPr/>
+            <a:r>
+              <a:rPr lang="en-us" cap="none"/>
               <a:t>Models such as:</a:t>
             </a:r>
+            <a:endParaRPr lang="en-us" cap="none"/>
           </a:p>
           <a:p>
             <a:pPr lvl="1"/>
             <a:r>
-              <a:rPr lang="en-US" dirty="0" smtClean="0"/>
+              <a:rPr lang="en-us" cap="none"/>
               <a:t>resnet18: convolutional NN that is 18 layers deep</a:t>
             </a:r>
+            <a:endParaRPr lang="en-us" cap="none"/>
           </a:p>
           <a:p>
             <a:pPr lvl="1"/>
             <a:r>
-              <a:rPr lang="en-US" dirty="0" smtClean="0"/>
-              <a:t>resnet50</a:t>
-            </a:r>
+              <a:rPr lang="en-us" cap="none"/>
+              <a:t>resnet50, resnet101, etc.</a:t>
+            </a:r>
+            <a:endParaRPr lang="en-us" cap="none"/>
           </a:p>
           <a:p>
             <a:pPr lvl="1"/>
             <a:r>
-              <a:rPr lang="en-US" dirty="0" err="1" smtClean="0"/>
-              <a:t>EfficientNet</a:t>
-            </a:r>
-            <a:endParaRPr lang="en-US" dirty="0" smtClean="0"/>
+              <a:rPr lang="en-us" cap="none"/>
+              <a:t>EfficientNet?</a:t>
+            </a:r>
+            <a:endParaRPr lang="en-us" cap="none"/>
           </a:p>
           <a:p>
             <a:pPr lvl="1"/>
             <a:r>
-              <a:rPr lang="en-US" dirty="0" err="1" smtClean="0"/>
-              <a:t>Swin</a:t>
-            </a:r>
-            <a:r>
-              <a:rPr lang="en-US" dirty="0" smtClean="0"/>
-              <a:t> Transformers</a:t>
-            </a:r>
+              <a:rPr lang="en-us" cap="none"/>
+              <a:t>Swin Transformers?</a:t>
+            </a:r>
+            <a:endParaRPr lang="en-us" cap="none"/>
           </a:p>
           <a:p>
             <a:pPr lvl="1"/>
-            <a:endParaRPr lang="en-US" dirty="0" smtClean="0"/>
+            <a:endParaRPr lang="en-us" cap="none"/>
           </a:p>
           <a:p>
             <a:pPr marL="0" indent="0">
               <a:buNone/>
             </a:pPr>
-            <a:endParaRPr lang="en-US" dirty="0" smtClean="0"/>
+            <a:endParaRPr lang="en-us" cap="none"/>
           </a:p>
           <a:p>
             <a:pPr marL="0" indent="0">
               <a:buNone/>
             </a:pPr>
-            <a:endParaRPr lang="en-US" dirty="0"/>
+            <a:endParaRPr lang="en-us" cap="none"/>
           </a:p>
         </p:txBody>
       </p:sp>
@@ -4842,7 +5312,12 @@
         <p:nvSpPr>
           <p:cNvPr id="4" name="Date Placeholder 3"/>
           <p:cNvSpPr>
-            <a:spLocks noGrp="1"/>
+            <a:spLocks noGrp="1" noChangeArrowheads="1"/>
+            <a:extLst>
+              <a:ext uri="smNativeData">
+                <pr:smNativeData xmlns:pr="smNativeData" xmlns="smNativeData" val="SMDATA_15_SSBGaRMAAAAlAAAAZAAAAA0AAAAAkAAAAEgAAACQAAAASAAAAAAAAAABAAAAAAAAAAEAAABQAAAAAAAAAAAA4D8AAAAAAADgPwAAAAAAAOA/AAAAAAAA4D8AAAAAAADgPwAAAAAAAOA/AAAAAAAA4D8AAAAAAADgPwAAAAAAAOA/AAAAAAAA4D8CAAAAjAAAAAAAAAAAAAAAu+DjDP///wgAAAAAAAAAAAAAAAAAAAAAAAAAAAAAAAAAAAAAZAAAAAEAAABAAAAAAAAAAAAAAAAAAAAAAAAAAAAAAAAAAAAAAAAAAAAAAAAAAAAAAAAAAAAAAAAAAAAAAAAAAAAAAAAAAAAAAAAAAAAAAAAAAAAAAAAAAAAAAAAAAAAAFAAAADwAAAAAAAAAAAAAAAAAAAkUAAAAAQAAABQAAAAUAAAAFAAAAAEAAAAAAAAAZAAAAGQAAAAAAAAAZAAAAGQAAAAVAAAAYAAAAAAAAAAAAAAADwAAACADAAAAAAAAAAAAAAEAAACgMgAAVgcAAKr4//8BAAAAf39/AAEAAABkAAAAAAAAABQAAABAHwAAAAAAACYAAAAAAAAAwOD//wAAAAAmAAAAZAAAABYAAABMAAAAAAAAAAAAAAAEAAAAAAAAAAEAAACAgIAKAAAAACgAAAAoAAAAZAAAAGQAAAAAAAAAzMzMAAAAAABQAAAAUAAAAGQAAABkAAAAAAAAABcAAAAUAAAAAAAAAAAAAAD/fwAA/38AAAAAAAAJAAAABAAAAAAAAAAeAAAAaAAAAAAAAAAAAAAAAAAAAAAAAAAAAAAAECcAABAnAAAAAAAAAAAAAAAAAAAAAAAAAAAAAAAAAAAAAAAAAAAAABQAAAAAAAAAwMD/AAAAAABkAAAAMgAAAAAAAABkAAAAAAAAAH9/fwAKAAAAIgAAABgAAAAAAAAAAAAAAAAAAAAAAAAAAAAAAAAAAAAkAAAAJAAAAAAAAAAHAAAAAAAAAAAAAAAAAAAAAAAAAAAAAAAAAAAAf39/ACUAAABYAAAAAAAAAAAAAAAAAAAAAAAAAAAAAAAAAAAAAAAAAAAAAAAAAAAAAAAAAAAAAAA/AAAAAAAAAKCGAQAAAAAAAAAAAAAAAAAMAAAAAQAAAAAAAAAAAAAAAAAAAB8AAABUAAAAAAAABQAAAAEAAAAAAAAAAAAAAAAAAAAAAAAAAAAAAAAAAAAAAAAAAAAAAAJ/f38AAAAAA8zMzADAwP8Af39/AAAAAAAAAAAAAAAAAAAAAAAAAAAAIQAAABgAAAAUAAAAwAMAABsnAAA/FQAAWSkAABAAAAAmAAAACAAAAAAAAAAAAAAA"/>
+              </a:ext>
+            </a:extLst>
           </p:cNvSpPr>
           <p:nvPr>
             <p:ph type="dt" sz="quarter" idx="10"/>
@@ -4853,11 +5328,12 @@
           <a:bodyPr/>
           <a:lstStyle/>
           <a:p>
-            <a:fld id="{2B3A5CD1-9FC6-6FAA-8882-69FF12CC7E3C}" type="datetime1">
-              <a:rPr lang="en-US" smtClean="0"/>
-              <a:t>12/16/2025</a:t>
+            <a:pPr/>
+            <a:fld id="{1B0EF0A2-ECF6-5B06-B8B6-1A53BEF84E4F}" type="datetime1">
+              <a:rPr lang="en-us" cap="none"/>
+              <a:t>12/19/2025</a:t>
             </a:fld>
-            <a:endParaRPr lang="en-US"/>
+            <a:endParaRPr lang="en-us" cap="none"/>
           </a:p>
         </p:txBody>
       </p:sp>
@@ -4865,7 +5341,12 @@
         <p:nvSpPr>
           <p:cNvPr id="5" name="Slide Number Placeholder 4"/>
           <p:cNvSpPr>
-            <a:spLocks noGrp="1"/>
+            <a:spLocks noGrp="1" noChangeArrowheads="1"/>
+            <a:extLst>
+              <a:ext uri="smNativeData">
+                <pr:smNativeData xmlns:pr="smNativeData" xmlns="smNativeData" val="SMDATA_15_SSBGaRMAAAAlAAAAZAAAAA0AAAAAkAAAAEgAAACQAAAASAAAAAAAAAABAAAAAAAAAAEAAABQAAAAAAAAAAAA4D8AAAAAAADgPwAAAAAAAOA/AAAAAAAA4D8AAAAAAADgPwAAAAAAAOA/AAAAAAAA4D8AAAAAAADgPwAAAAAAAOA/AAAAAAAA4D8CAAAAjAAAAAAAAAAAAAAAu+DjDP///wgAAAAAAAAAAAAAAAAAAAAAAAAAAAAAAAAAAAAAZAAAAAEAAABAAAAAAAAAAAAAAAAAAAAAAAAAAAAAAAAAAAAAAAAAAAAAAAAAAAAAAAAAAAAAAAAAAAAAAAAAAAAAAAAAAAAAAAAAAAAAAAAAAAAAAAAAAAAAAAAAAAAAFAAAADwAAAAAAAAAAAAAAAAAAAkUAAAAAQAAABQAAAAUAAAAFAAAAAEAAAAAAAAAZAAAAGQAAAAAAAAAZAAAAGQAAAAVAAAAYAAAAAAAAAAAAAAADwAAACADAAAAAAAAAAAAAAEAAACgMgAAVgcAAKr4//8BAAAAf39/AAEAAABkAAAAAAAAABQAAABAHwAAAAAAACYAAAAAAAAAwOD//wAAAAAmAAAAZAAAABYAAABMAAAAAAAAAAAAAAAEAAAAAAAAAAEAAACAgIAKAAAAACgAAAAoAAAAZAAAAGQAAAAAAAAAzMzMAAAAAABQAAAAUAAAAGQAAABkAAAAAAAAABcAAAAUAAAAAAAAAAAAAAD/fwAA/38AAAAAAAAJAAAABAAAAPcgBUUeAAAAaAAAAAAAAAAAAAAAAAAAAAAAAAAAAAAAECcAABAnAAAAAAAAAAAAAAAAAAAAAAAAAAAAAAAAAAAAAAAAAAAAABQAAAAAAAAAwMD/AAAAAABkAAAAMgAAAAAAAABkAAAAAAAAAH9/fwAKAAAAIgAAABgAAAAAAAAAAAAAAAAAAAAAAAAAAAAAAAAAAAAkAAAAJAAAAAAAAAAHAAAAAAAAAAAAAAAAAAAAAAAAAAAAAAAAAAAAf39/ACUAAABYAAAAAAAAAAAAAAAAAAAAAAAAAAAAAAAAAAAAAAAAAAAAAAAAAAAAAAAAAAAAAAA/AAAAAAAAAKCGAQAAAAAAAAAAAAAAAAAMAAAAAQAAAAAAAAAAAAAAAAAAAB8AAABUAAAAAAAABQAAAAEAAAAAAAAAAAAAAAAAAAAAAAAAAAAAAAAAAAAAAAAAAAAAAAJ/f38AAAAAA8zMzADAwP8Af39/AAAAAAAAAAAAAAAAAAAAAAAAAAAAIQAAABgAAAAUAAAAwTUAABsnAABARwAAWSkAABAAAAAmAAAACAAAAAAAAAAAAAAA"/>
+              </a:ext>
+            </a:extLst>
           </p:cNvSpPr>
           <p:nvPr>
             <p:ph type="sldNum" sz="quarter" idx="12"/>
@@ -4876,145 +5357,111 @@
           <a:bodyPr/>
           <a:lstStyle/>
           <a:p>
-            <a:fld id="{2B3A0E09-47C6-6FF8-8882-B1AD40CC7EE4}" type="slidenum">
-              <a:rPr lang="en-US" smtClean="0"/>
+            <a:pPr/>
+            <a:fld id="{1B0EFC87-C9F6-5B0A-B8B6-3F5FB2F84E6A}" type="slidenum">
+              <a:rPr lang="en-us" cap="none"/>
               <a:t>8</a:t>
             </a:fld>
-            <a:endParaRPr lang="en-US"/>
+            <a:endParaRPr lang="en-us" cap="none"/>
           </a:p>
         </p:txBody>
       </p:sp>
       <p:sp>
         <p:nvSpPr>
           <p:cNvPr id="6" name="TextBox 5"/>
-          <p:cNvSpPr txBox="1"/>
+          <p:cNvSpPr>
+            <a:extLst>
+              <a:ext uri="smNativeData">
+                <pr:smNativeData xmlns:pr="smNativeData" xmlns="smNativeData" val="SMDATA_15_SSBGaRMAAAAlAAAAZAAAAE0AAAAAkAAAAEgAAACQAAAASAAAAAAAAAAAAAAAAAAAAAEAAABQAAAAAAAAAAAA4D8AAAAAAADgPwAAAAAAAOA/AAAAAAAA4D8AAAAAAADgPwAAAAAAAOA/AAAAAAAA4D8AAAAAAADgPwAAAAAAAOA/AAAAAAAA4D8CAAAAjAAAAAAAAAAAAAAAu+DjDP///wgAAAAAAAAAAAAAAAAAAAAAAAAAAAAAAAAAAAAAZAAAAAEAAABAAAAAAAAAAAAAAAAAAAAAAAAAAAAAAAAAAAAAAAAAAAAAAAAAAAAAAAAAAAAAAAAAAAAAAAAAAAAAAAAAAAAAAAAAAAAAAAAAAAAAAAAAAAAAAAAAAAAAFAAAADwAAAAAAAAAAAAAAAAAAAAPAAAAAQAAACMAAAAjAAAAIwAAAB4AAAAAAAAAZAAAAGQAAAAAAAAAZAAAAGQAAAAVAAAAYAAAAAAAAAAAAAAADwAAACADAAAAAAAAAAAAAAEAAACgMgAAVgcAAKr4//8BAAAAf39/AAEAAABkAAAAAAAAABQAAABAHwAAAAAAACYAAAAAAAAAwOD//wAAAAAmAAAAZAAAABYAAABMAAAAAAAAAAAAAAAEAAAAAAAAAAEAAACAgIAKAAAAACgAAAAoAAAAZAAAAGQAAAAAAAAAzMzMAAAAAABQAAAAUAAAAGQAAABkAAAAAAAAABcAAAAUAAAAAAAAAAAAAAD/fwAA/38AAAAAAAAJAAAABAAAAF8AYAAeAAAAaAAAAAAAAAAAAAAAAAAAAAAAAAAAAAAAECcAABAnAAAAAAAAAAAAAAAAAAAAAAAAAAAAAAAAAAAAAAAAAAAAABQAAAAAAAAAwMD/AAAAAABkAAAAMgAAAAAAAABkAAAAAAAAAH9/fwAKAAAAIgAAABgAAAAAAAAAAAAAAAAAAAAAAAAAAAAAAAAAAAAkAAAAJAAAAAAAAAAHAAAAAAAAAAAAAAAAAAAAAAAAAAAAAAAAAAAAf39/ACUAAABYAAAAAAAAAAAAAAAAAAAAAAAAAAAAAAAAAAAAAAAAAAAAAAAAAAAAAAAAAAAAAAA/AAAAAAAAAKCGAQAAAAAAAAAAAAAAAAAMAAAAAQAAAAAAAAAAAAAAAAAAAB8AAABUAAAAu+DjBf///wEAAAAAAAAAAAAAAAAAAAAAAAAAAAAAAAAAAAAAAAAAAAAAAAB/f38AgICAA8zMzADAwP8Af39/AAAAAAAAAAAAAAAAAAAAAAAAAAAAIQAAABgAAAAUAAAA1gQAAEYbAABwJAAAESYAABAgAAAmAAAACAAAAP//////////"/>
+              </a:ext>
+            </a:extLst>
+          </p:cNvSpPr>
           <p:nvPr/>
         </p:nvSpPr>
         <p:spPr>
           <a:xfrm>
             <a:off x="786130" y="4433570"/>
-            <a:ext cx="5137047" cy="1754326"/>
+            <a:ext cx="5137150" cy="1754505"/>
           </a:xfrm>
           <a:prstGeom prst="rect">
             <a:avLst/>
           </a:prstGeom>
           <a:noFill/>
+          <a:ln>
+            <a:noFill/>
+          </a:ln>
+          <a:effectLst/>
         </p:spPr>
         <p:txBody>
-          <a:bodyPr wrap="none" rtlCol="0">
-            <a:spAutoFit/>
-          </a:bodyPr>
-          <a:lstStyle/>
-          <a:p>
-            <a:r>
-              <a:rPr lang="en-US" dirty="0"/>
-              <a:t>transform = </a:t>
-            </a:r>
-            <a:r>
-              <a:rPr lang="en-US" dirty="0" err="1"/>
-              <a:t>transforms.Compose</a:t>
-            </a:r>
-            <a:r>
-              <a:rPr lang="en-US" dirty="0"/>
-              <a:t>([</a:t>
-            </a:r>
-          </a:p>
-          <a:p>
-            <a:r>
-              <a:rPr lang="en-US" dirty="0"/>
-              <a:t>    </a:t>
-            </a:r>
-            <a:r>
-              <a:rPr lang="en-US" dirty="0" err="1"/>
-              <a:t>transforms.Resize</a:t>
-            </a:r>
-            <a:r>
-              <a:rPr lang="en-US" dirty="0"/>
-              <a:t>((</a:t>
-            </a:r>
-            <a:r>
-              <a:rPr lang="en-US" dirty="0" err="1"/>
-              <a:t>img_size</a:t>
-            </a:r>
-            <a:r>
-              <a:rPr lang="en-US" dirty="0"/>
-              <a:t>, </a:t>
-            </a:r>
-            <a:r>
-              <a:rPr lang="en-US" dirty="0" err="1"/>
-              <a:t>img_size</a:t>
-            </a:r>
-            <a:r>
-              <a:rPr lang="en-US" dirty="0"/>
-              <a:t>)),</a:t>
-            </a:r>
-          </a:p>
-          <a:p>
-            <a:r>
-              <a:rPr lang="en-US" dirty="0"/>
-              <a:t>    </a:t>
-            </a:r>
-            <a:r>
-              <a:rPr lang="en-US" dirty="0" err="1"/>
-              <a:t>transforms.ToTensor</a:t>
-            </a:r>
-            <a:r>
-              <a:rPr lang="en-US" dirty="0"/>
-              <a:t>(),</a:t>
-            </a:r>
-          </a:p>
-          <a:p>
-            <a:r>
-              <a:rPr lang="en-US" dirty="0"/>
-              <a:t>    </a:t>
-            </a:r>
-            <a:r>
-              <a:rPr lang="en-US" dirty="0" err="1"/>
-              <a:t>transforms.Normalize</a:t>
-            </a:r>
-            <a:r>
-              <a:rPr lang="en-US" dirty="0"/>
-              <a:t>(mean=[0.485, 0.456, 0.406],</a:t>
-            </a:r>
-          </a:p>
-          <a:p>
-            <a:r>
-              <a:rPr lang="en-US" dirty="0"/>
-              <a:t>                         </a:t>
-            </a:r>
-            <a:r>
-              <a:rPr lang="en-US" dirty="0" err="1"/>
-              <a:t>std</a:t>
-            </a:r>
-            <a:r>
-              <a:rPr lang="en-US" dirty="0"/>
-              <a:t>=[0.229, 0.224, 0.225]),</a:t>
-            </a:r>
-          </a:p>
-          <a:p>
-            <a:r>
-              <a:rPr lang="en-US" dirty="0"/>
+          <a:bodyPr vert="horz" wrap="none" lIns="91440" tIns="45720" rIns="91440" bIns="45720" numCol="1" spcCol="215900" anchor="t"/>
+          <a:lstStyle/>
+          <a:p>
+            <a:pPr/>
+            <a:r>
+              <a:rPr lang="en-us" cap="none"/>
+              <a:t>transform = transforms.Compose([</a:t>
+            </a:r>
+            <a:endParaRPr lang="en-us" cap="none"/>
+          </a:p>
+          <a:p>
+            <a:pPr/>
+            <a:r>
+              <a:rPr lang="en-us" cap="none"/>
+              <a:t>    transforms.Resize((img_size, img_size)),</a:t>
+            </a:r>
+            <a:endParaRPr lang="en-us" cap="none"/>
+          </a:p>
+          <a:p>
+            <a:pPr/>
+            <a:r>
+              <a:rPr lang="en-us" cap="none"/>
+              <a:t>    transforms.ToTensor(),</a:t>
+            </a:r>
+            <a:endParaRPr lang="en-us" cap="none"/>
+          </a:p>
+          <a:p>
+            <a:pPr/>
+            <a:r>
+              <a:rPr lang="en-us" cap="none"/>
+              <a:t>    transforms.Normalize(mean=[0.485, 0.456, 0.406],</a:t>
+            </a:r>
+            <a:endParaRPr lang="en-us" cap="none"/>
+          </a:p>
+          <a:p>
+            <a:pPr/>
+            <a:r>
+              <a:rPr lang="en-us" cap="none"/>
+              <a:t>                         std=[0.229, 0.224, 0.225]),</a:t>
+            </a:r>
+            <a:endParaRPr lang="en-us" cap="none"/>
+          </a:p>
+          <a:p>
+            <a:pPr/>
+            <a:r>
+              <a:rPr lang="en-us" cap="none"/>
               <a:t>])</a:t>
             </a:r>
-            <a:endParaRPr lang="en-US" dirty="0"/>
+            <a:endParaRPr lang="en-us" cap="none"/>
           </a:p>
         </p:txBody>
       </p:sp>
     </p:spTree>
-    <p:extLst>
-      <p:ext uri="{BB962C8B-B14F-4D97-AF65-F5344CB8AC3E}">
-        <p14:creationId xmlns:p14="http://schemas.microsoft.com/office/powerpoint/2010/main" val="3814930876"/>
-      </p:ext>
-    </p:extLst>
   </p:cSld>
   <p:clrMapOvr>
     <a:masterClrMapping/>
   </p:clrMapOvr>
+  <p:timing>
+    <p:tnLst>
+      <p:par>
+        <p:cTn id="1" dur="indefinite" restart="never" nodeType="tmRoot"/>
+      </p:par>
+    </p:tnLst>
+  </p:timing>
 </p:sld>
 </file>
 
 <file path=ppt/slides/slide9.xml><?xml version="1.0" encoding="utf-8"?>
-<p:sld xmlns:a="http://schemas.openxmlformats.org/drawingml/2006/main" xmlns:r="http://schemas.openxmlformats.org/officeDocument/2006/relationships" xmlns:p="http://schemas.openxmlformats.org/presentationml/2006/main">
+<p:sld xmlns:p="http://schemas.openxmlformats.org/presentationml/2006/main" xmlns:mc="http://schemas.openxmlformats.org/markup-compatibility/2006" xmlns:p14="http://schemas.microsoft.com/office/powerpoint/2010/main" xmlns:p15="http://schemas.microsoft.com/office/powerpoint/2012/main" xmlns:r="http://schemas.openxmlformats.org/officeDocument/2006/relationships" xmlns:a="http://schemas.openxmlformats.org/drawingml/2006/main" mc:Ignorable="p14">
   <p:cSld>
     <p:spTree>
       <p:nvGrpSpPr>
@@ -5034,7 +5481,12 @@
         <p:nvSpPr>
           <p:cNvPr id="2" name="Title 1"/>
           <p:cNvSpPr>
-            <a:spLocks noGrp="1"/>
+            <a:spLocks noGrp="1" noChangeArrowheads="1"/>
+            <a:extLst>
+              <a:ext uri="smNativeData">
+                <pr:smNativeData xmlns:pr="smNativeData" xmlns="smNativeData" val="SMDATA_15_SSBGaRMAAAAlAAAAZAAAAA0AAAAAkAAAAEgAAACQAAAASAAAAAAAAAABAAAAAAAAAAEAAABQAAAAAAAAAAAA4D8AAAAAAADgPwAAAAAAAOA/AAAAAAAA4D8AAAAAAADgPwAAAAAAAOA/AAAAAAAA4D8AAAAAAADgPwAAAAAAAOA/AAAAAAAA4D8CAAAAjAAAAAAAAAAAAAAAu+DjDP///wgAAAAAAAAAAAAAAAAAAAAAAAAAAAAAAAAAAAAAZAAAAAEAAABAAAAAAAAAAAAAAAAAAAAAAAAAAAAAAAAAAAAAAAAAAAAAAAAAAAAAAAAAAAAAAAAAAAAAAAAAAAAAAAAAAAAAAAAAAAAAAAAAAAAAAAAAAAAAAAAAAAAAFAAAADwAAAAAAAAAAAAAAAAAAAkUAAAAAQAAABQAAAAUAAAAFAAAAAEAAAAAAAAAZAAAAGQAAAAAAAAAZAAAAGQAAAAVAAAAYAAAAAAAAAAAAAAADwAAACADAAAAAAAAAAAAAAEAAACgMgAAVgcAAKr4//8BAAAAf39/AAEAAABkAAAAAAAAABQAAABAHwAAAAAAACYAAAAAAAAAwOD//wAAAAAmAAAAZAAAABYAAABMAAAAAAAAAAAAAAAEAAAAAAAAAAEAAACAgIAKAAAAACgAAAAoAAAAZAAAAGQAAAAAAAAAzMzMAAAAAABQAAAAUAAAAGQAAABkAAAAAAAAABcAAAAUAAAAAAAAAAAAAAD/fwAA/38AAAAAAAAJAAAABAAAAF8AYAAeAAAAaAAAAAAAAAAAAAAAAAAAAAAAAAAAAAAAECcAABAnAAAAAAAAAAAAAAAAAAAAAAAAAAAAAAAAAAAAAAAAAAAAABQAAAAAAAAAwMD/AAAAAABkAAAAMgAAAAAAAABkAAAAAAAAAH9/fwAKAAAAIgAAABgAAAAAAAAAAAAAAAAAAAAAAAAAAAAAAAAAAAAkAAAAJAAAAAAAAAAHAAAAAAAAAAAAAAAAAAAAAAAAAAAAAAAAAAAAf39/ACUAAABYAAAAAAAAAAAAAAAAAAAAAAAAAAAAAAAAAAAAAAAAAAAAAAAAAAAAAAAAAAAAAAA/AAAAAAAAAKCGAQAAAAAAAAAAAAAAAAAMAAAAAQAAAAAAAAAAAAAAAAAAAB8AAABUAAAAAAAABQAAAAEAAAAAAAAAAAAAAAAAAAAAAAAAAAAAAAAAAAAAAAAAAAAAAAJ/f38AAAAAA8zMzADAwP8Af39/AAAAAAAAAAAAAAAAAAAAAAAAAAAAIQAAABgAAAAUAAAAwAMAALABAABARwAAuAgAABAAAAAmAAAACAAAAAAAAAAAAAAA"/>
+              </a:ext>
+            </a:extLst>
           </p:cNvSpPr>
           <p:nvPr>
             <p:ph type="title"/>
@@ -5045,11 +5497,12 @@
           <a:bodyPr/>
           <a:lstStyle/>
           <a:p>
-            <a:r>
-              <a:rPr lang="en-US" dirty="0" err="1" smtClean="0"/>
+            <a:pPr/>
+            <a:r>
+              <a:rPr lang="en-us" cap="none"/>
               <a:t>TorchAudio</a:t>
             </a:r>
-            <a:endParaRPr lang="en-US" dirty="0"/>
+            <a:endParaRPr lang="en-us" cap="none"/>
           </a:p>
         </p:txBody>
       </p:sp>
@@ -5057,10 +5510,59 @@
         <p:nvSpPr>
           <p:cNvPr id="3" name="Content Placeholder 2"/>
           <p:cNvSpPr>
-            <a:spLocks noGrp="1"/>
-          </p:cNvSpPr>
-          <p:nvPr>
-            <p:ph idx="1"/>
+            <a:spLocks noGrp="1" noChangeArrowheads="1"/>
+            <a:extLst>
+              <a:ext uri="smNativeData">
+                <pr:smNativeData xmlns:pr="smNativeData" xmlns="smNativeData" val="SMDATA_15_SSBGaRMAAAAlAAAAZAAAAA0AAAAAkAAAAEgAAACQAAAASAAAAAAAAAAAAAAAAAAAAAEAAABQAAAAAAAAAAAA4D8AAAAAAADgPwAAAAAAAOA/AAAAAAAA4D8AAAAAAADgPwAAAAAAAOA/AAAAAAAA4D8AAAAAAADgPwAAAAAAAOA/AAAAAAAA4D8CAAAAjAAAAAAAAAAAAAAAu+DjDP///wgAAAAAAAAAAAAAAAAAAAAAAAAAAAAAAAAAAAAAZAAAAAEAAABAAAAAAAAAAAAAAAAAAAAAAAAAAAAAAAAAAAAAAAAAAAAAAAAAAAAAAAAAAAAAAAAAAAAAAAAAAAAAAAAAAAAAAAAAAAAAAAAAAAAAAAAAAAAAAAAAAAAAFAAAADwAAAAAAAAAAAAAAAAAAAkUAAAAAQAAABQAAAAUAAAAFAAAAAEAAAAAAAAAZAAAAGQAAAAAAAAAZAAAAGQAAAAVAAAAYAAAAAAAAAAAAAAADwAAACADAAAAAAAAAAAAAAEAAACgMgAAVgcAAKr4//8BAAAAf39/AAEAAABkAAAAAAAAABQAAABAHwAAAAAAACYAAAAAAAAAwOD//wAAAAAmAAAAZAAAABYAAABMAAAAAAAAAAAAAAAEAAAAAAAAAAEAAACAgIAKAAAAACgAAAAoAAAAZAAAAGQAAAAAAAAAzMzMAAAAAABQAAAAUAAAAGQAAABkAAAAAAAAABcAAAAUAAAAAAAAAAAAAAD/fwAA/38AAAAAAAAJAAAABAAAAF8AYAAeAAAAaAAAAAAAAAAAAAAAAAAAAAAAAAAAAAAAECcAABAnAAAAAAAAAAAAAAAAAAAAAAAAAAAAAAAAAAAAAAAAAAAAABQAAAAAAAAAwMD/AAAAAABkAAAAMgAAAAAAAABkAAAAAAAAAH9/fwAKAAAAIgAAABgAAAAAAAAAAAAAAAAAAAAAAAAAAAAAAAAAAAAkAAAAJAAAAAAAAAAHAAAAAAAAAAAAAAAAAAAAAAAAAAAAAAAAAAAAf39/ACUAAABYAAAAAAAAAAAAAAAAAAAAAAAAAAAAAAAAAAAAAAAAAAAAAAAAAAAAAAAAAAAAAAA/AAAAAAAAAKCGAQAAAAAAAAAAAAAAAAAMAAAAAQAAAAAAAAAAAAAAAAAAAB8AAABUAAAAAAAABQAAAAEAAAAAAAAAAAAAAAAAAAAAAAAAAAAAAAAAAAAAAAAAAAAAAAJ/f38AAAAAA8zMzADAwP8Af39/AAAAAAAAAAAAAAAAAAAAAAAAAAAAIQAAABgAAAAUAAAAwAMAANgJAABARwAAsCUAAAAAAAAmAAAACAAAAAEAAAAAAAAA"/>
+              </a:ext>
+            </a:extLst>
+          </p:cNvSpPr>
+          <p:nvPr>
+            <p:ph type="body" idx="1"/>
+          </p:nvPr>
+        </p:nvSpPr>
+        <p:spPr>
+          <a:xfrm>
+            <a:off x="609600" y="1600200"/>
+            <a:ext cx="10972800" cy="4526280"/>
+          </a:xfrm>
+        </p:spPr>
+        <p:txBody>
+          <a:bodyPr/>
+          <a:lstStyle/>
+          <a:p>
+            <a:pPr/>
+            <a:r>
+              <a:t>Speech Recognition</a:t>
+            </a:r>
+          </a:p>
+          <a:p>
+            <a:pPr/>
+            <a:r>
+              <a:t>Wave data-to-vector transforms</a:t>
+            </a:r>
+          </a:p>
+          <a:p>
+            <a:pPr/>
+          </a:p>
+          <a:p>
+            <a:pPr/>
+          </a:p>
+        </p:txBody>
+      </p:sp>
+      <p:sp>
+        <p:nvSpPr>
+          <p:cNvPr id="4" name="Date Placeholder 3"/>
+          <p:cNvSpPr>
+            <a:spLocks noGrp="1" noChangeArrowheads="1"/>
+            <a:extLst>
+              <a:ext uri="smNativeData">
+                <pr:smNativeData xmlns:pr="smNativeData" xmlns="smNativeData" val="SMDATA_15_SSBGaRMAAAAlAAAAZAAAAA0AAAAAkAAAAEgAAACQAAAASAAAAAAAAAABAAAAAAAAAAEAAABQAAAAAAAAAAAA4D8AAAAAAADgPwAAAAAAAOA/AAAAAAAA4D8AAAAAAADgPwAAAAAAAOA/AAAAAAAA4D8AAAAAAADgPwAAAAAAAOA/AAAAAAAA4D8CAAAAjAAAAAAAAAAAAAAAu+DjDP///wgAAAAAAAAAAAAAAAAAAAAAAAAAAAAAAAAAAAAAZAAAAAEAAABAAAAAAAAAAAAAAAAAAAAAAAAAAAAAAAAAAAAAAAAAAAAAAAAAAAAAAAAAAAAAAAAAAAAAAAAAAAAAAAAAAAAAAAAAAAAAAAAAAAAAAAAAAAAAAAAAAAAAFAAAADwAAAAAAAAAAAAAAAAAAAkUAAAAAQAAABQAAAAUAAAAFAAAAAEAAAAAAAAAZAAAAGQAAAAAAAAAZAAAAGQAAAAVAAAAYAAAAAAAAAAAAAAADwAAACADAAAAAAAAAAAAAAEAAACgMgAAVgcAAKr4//8BAAAAf39/AAEAAABkAAAAAAAAABQAAABAHwAAAAAAACYAAAAAAAAAwOD//wAAAAAmAAAAZAAAABYAAABMAAAAAAAAAAAAAAAEAAAAAAAAAAEAAACAgIAKAAAAACgAAAAoAAAAZAAAAGQAAAAAAAAAzMzMAAAAAABQAAAAUAAAAGQAAABkAAAAAAAAABcAAAAUAAAAAAAAAAAAAAD/fwAA/38AAAAAAAAJAAAABAAAAAAAAAAeAAAAaAAAAAAAAAAAAAAAAAAAAAAAAAAAAAAAECcAABAnAAAAAAAAAAAAAAAAAAAAAAAAAAAAAAAAAAAAAAAAAAAAABQAAAAAAAAAwMD/AAAAAABkAAAAMgAAAAAAAABkAAAAAAAAAH9/fwAKAAAAIgAAABgAAAAAAAAAAAAAAAAAAAAAAAAAAAAAAAAAAAAkAAAAJAAAAAAAAAAHAAAAAAAAAAAAAAAAAAAAAAAAAAAAAAAAAAAAf39/ACUAAABYAAAAAAAAAAAAAAAAAAAAAAAAAAAAAAAAAAAAAAAAAAAAAAAAAAAAAAAAAAAAAAA/AAAAAAAAAKCGAQAAAAAAAAAAAAAAAAAMAAAAAQAAAAAAAAAAAAAAAAAAAB8AAABUAAAAAAAABQAAAAEAAAAAAAAAAAAAAAAAAAAAAAAAAAAAAAAAAAAAAAAAAAAAAAJ/f38AAAAAA8zMzADAwP8Af39/AAAAAAAAAAAAAAAAAAAAAAAAAAAAIQAAABgAAAAUAAAAwAMAABsnAAA/FQAAWSkAABAAAAAmAAAACAAAAAAAAAAAAAAA"/>
+              </a:ext>
+            </a:extLst>
+          </p:cNvSpPr>
+          <p:nvPr>
+            <p:ph type="dt" sz="quarter" idx="10"/>
           </p:nvPr>
         </p:nvSpPr>
         <p:spPr/>
@@ -5068,18 +5570,28 @@
           <a:bodyPr/>
           <a:lstStyle/>
           <a:p>
-            <a:endParaRPr lang="en-US" dirty="0"/>
-          </a:p>
-        </p:txBody>
-      </p:sp>
-      <p:sp>
-        <p:nvSpPr>
-          <p:cNvPr id="4" name="Date Placeholder 3"/>
-          <p:cNvSpPr>
-            <a:spLocks noGrp="1"/>
-          </p:cNvSpPr>
-          <p:nvPr>
-            <p:ph type="dt" sz="quarter" idx="10"/>
+            <a:pPr/>
+            <a:fld id="{1B0EC3CA-84F6-5B35-B8B6-72608DF84E27}" type="datetime1">
+              <a:rPr lang="en-us" cap="none"/>
+              <a:t>12/19/2025</a:t>
+            </a:fld>
+            <a:endParaRPr lang="en-us" cap="none"/>
+          </a:p>
+        </p:txBody>
+      </p:sp>
+      <p:sp>
+        <p:nvSpPr>
+          <p:cNvPr id="5" name="Slide Number Placeholder 4"/>
+          <p:cNvSpPr>
+            <a:spLocks noGrp="1" noChangeArrowheads="1"/>
+            <a:extLst>
+              <a:ext uri="smNativeData">
+                <pr:smNativeData xmlns:pr="smNativeData" xmlns="smNativeData" val="SMDATA_15_SSBGaRMAAAAlAAAAZAAAAA0AAAAAkAAAAEgAAACQAAAASAAAAAAAAAABAAAAAAAAAAEAAABQAAAAAAAAAAAA4D8AAAAAAADgPwAAAAAAAOA/AAAAAAAA4D8AAAAAAADgPwAAAAAAAOA/AAAAAAAA4D8AAAAAAADgPwAAAAAAAOA/AAAAAAAA4D8CAAAAjAAAAAAAAAAAAAAAu+DjDP///wgAAAAAAAAAAAAAAAAAAAAAAAAAAAAAAAAAAAAAZAAAAAEAAABAAAAAAAAAAAAAAAAAAAAAAAAAAAAAAAAAAAAAAAAAAAAAAAAAAAAAAAAAAAAAAAAAAAAAAAAAAAAAAAAAAAAAAAAAAAAAAAAAAAAAAAAAAAAAAAAAAAAAFAAAADwAAAAAAAAAAAAAAAAAAAkUAAAAAQAAABQAAAAUAAAAFAAAAAEAAAAAAAAAZAAAAGQAAAAAAAAAZAAAAGQAAAAVAAAAYAAAAAAAAAAAAAAADwAAACADAAAAAAAAAAAAAAEAAACgMgAAVgcAAKr4//8BAAAAf39/AAEAAABkAAAAAAAAABQAAABAHwAAAAAAACYAAAAAAAAAwOD//wAAAAAmAAAAZAAAABYAAABMAAAAAAAAAAAAAAAEAAAAAAAAAAEAAACAgIAKAAAAACgAAAAoAAAAZAAAAGQAAAAAAAAAzMzMAAAAAABQAAAAUAAAAGQAAABkAAAAAAAAABcAAAAUAAAAAAAAAAAAAAD/fwAA/38AAAAAAAAJAAAABAAAAAAAAAAeAAAAaAAAAAAAAAAAAAAAAAAAAAAAAAAAAAAAECcAABAnAAAAAAAAAAAAAAAAAAAAAAAAAAAAAAAAAAAAAAAAAAAAABQAAAAAAAAAwMD/AAAAAABkAAAAMgAAAAAAAABkAAAAAAAAAH9/fwAKAAAAIgAAABgAAAAAAAAAAAAAAAAAAAAAAAAAAAAAAAAAAAAkAAAAJAAAAAAAAAAHAAAAAAAAAAAAAAAAAAAAAAAAAAAAAAAAAAAAf39/ACUAAABYAAAAAAAAAAAAAAAAAAAAAAAAAAAAAAAAAAAAAAAAAAAAAAAAAAAAAAAAAAAAAAA/AAAAAAAAAKCGAQAAAAAAAAAAAAAAAAAMAAAAAQAAAAAAAAAAAAAAAAAAAB8AAABUAAAAAAAABQAAAAEAAAAAAAAAAAAAAAAAAAAAAAAAAAAAAAAAAAAAAAAAAAAAAAJ/f38AAAAAA8zMzADAwP8Af39/AAAAAAAAAAAAAAAAAAAAAAAAAAAAIQAAABgAAAAUAAAAwTUAABsnAABARwAAWSkAABAAAAAmAAAACAAAAAAAAAAAAAAA"/>
+              </a:ext>
+            </a:extLst>
+          </p:cNvSpPr>
+          <p:nvPr>
+            <p:ph type="sldNum" sz="quarter" idx="12"/>
           </p:nvPr>
         </p:nvSpPr>
         <p:spPr/>
@@ -5087,47 +5599,27 @@
           <a:bodyPr/>
           <a:lstStyle/>
           <a:p>
-            <a:fld id="{2B3A5CD1-9FC6-6FAA-8882-69FF12CC7E3C}" type="datetime1">
-              <a:rPr lang="en-US" smtClean="0"/>
-              <a:t>12/16/2025</a:t>
-            </a:fld>
-            <a:endParaRPr lang="en-US"/>
-          </a:p>
-        </p:txBody>
-      </p:sp>
-      <p:sp>
-        <p:nvSpPr>
-          <p:cNvPr id="5" name="Slide Number Placeholder 4"/>
-          <p:cNvSpPr>
-            <a:spLocks noGrp="1"/>
-          </p:cNvSpPr>
-          <p:nvPr>
-            <p:ph type="sldNum" sz="quarter" idx="12"/>
-          </p:nvPr>
-        </p:nvSpPr>
-        <p:spPr/>
-        <p:txBody>
-          <a:bodyPr/>
-          <a:lstStyle/>
-          <a:p>
-            <a:fld id="{2B3A0E09-47C6-6FF8-8882-B1AD40CC7EE4}" type="slidenum">
-              <a:rPr lang="en-US" smtClean="0"/>
+            <a:pPr/>
+            <a:fld id="{1B0EE7DC-92F6-5B11-B8B6-6444A9F84E31}" type="slidenum">
+              <a:rPr lang="en-us" cap="none"/>
               <a:t>9</a:t>
             </a:fld>
-            <a:endParaRPr lang="en-US"/>
+            <a:endParaRPr lang="en-us" cap="none"/>
           </a:p>
         </p:txBody>
       </p:sp>
     </p:spTree>
-    <p:extLst>
-      <p:ext uri="{BB962C8B-B14F-4D97-AF65-F5344CB8AC3E}">
-        <p14:creationId xmlns:p14="http://schemas.microsoft.com/office/powerpoint/2010/main" val="692625499"/>
-      </p:ext>
-    </p:extLst>
   </p:cSld>
   <p:clrMapOvr>
     <a:masterClrMapping/>
   </p:clrMapOvr>
+  <p:timing>
+    <p:tnLst>
+      <p:par>
+        <p:cTn id="1" dur="indefinite" restart="never" nodeType="tmRoot"/>
+      </p:par>
+    </p:tnLst>
+  </p:timing>
 </p:sld>
 </file>
 
@@ -6038,6 +6530,47 @@
       </a:clrScheme>
       <a:clrMap bg1="lt1" tx1="dk1" bg2="lt2" tx2="dk2" accent1="accent1" accent2="accent2" accent3="accent3" accent4="accent4" accent5="accent5" accent6="accent6" hlink="hlink" folHlink="folHlink"/>
     </a:extraClrScheme>
+    <a:extraClrScheme>
+      <a:clrScheme name="Presentation 17">
+        <a:dk1>
+          <a:srgbClr val="000000"/>
+        </a:dk1>
+        <a:lt1>
+          <a:srgbClr val="FFFFFF"/>
+        </a:lt1>
+        <a:dk2>
+          <a:srgbClr val="000000"/>
+        </a:dk2>
+        <a:lt2>
+          <a:srgbClr val="808080"/>
+        </a:lt2>
+        <a:accent1>
+          <a:srgbClr val="BBE0E3"/>
+        </a:accent1>
+        <a:accent2>
+          <a:srgbClr val="333399"/>
+        </a:accent2>
+        <a:accent3>
+          <a:srgbClr val="535379"/>
+        </a:accent3>
+        <a:accent4>
+          <a:srgbClr val="737359"/>
+        </a:accent4>
+        <a:accent5>
+          <a:srgbClr val="939339"/>
+        </a:accent5>
+        <a:accent6>
+          <a:srgbClr val="B3B319"/>
+        </a:accent6>
+        <a:hlink>
+          <a:srgbClr val="009999"/>
+        </a:hlink>
+        <a:folHlink>
+          <a:srgbClr val="99CC00"/>
+        </a:folHlink>
+      </a:clrScheme>
+      <a:clrMap bg1="lt1" tx1="dk1" bg2="lt2" tx2="dk2" accent1="accent1" accent2="accent2" accent3="accent3" accent4="accent4" accent5="accent5" accent6="accent6" hlink="hlink" folHlink="folHlink"/>
+    </a:extraClrScheme>
   </a:extraClrSchemeLst>
 </a:theme>
 </file>
--- a/AI/AI PyTorch.pptx
+++ b/AI/AI PyTorch.pptx
@@ -17,6 +17,8 @@
     <p:sldId id="266" r:id="rId15"/>
     <p:sldId id="267" r:id="rId16"/>
     <p:sldId id="268" r:id="rId17"/>
+    <p:sldId id="269" r:id="rId18"/>
+    <p:sldId id="270" r:id="rId19"/>
   </p:sldIdLst>
   <p:sldSz cx="12192000" cy="6858000"/>
   <p:notesSz cx="6858000" cy="12192000"/>
@@ -247,7 +249,7 @@
             <a:spLocks noGrp="1" noChangeArrowheads="1"/>
             <a:extLst>
               <a:ext uri="smNativeData">
-                <pr:smNativeData xmlns:pr="smNativeData" xmlns="smNativeData" val="SMDATA_15_SSBGaRMAAAAlAAAAZAAAAA0AAAAAkAAAAEgAAACQAAAASAAAAAAAAAABAAAAAAAAAAEAAABQAAAAAAAAAAAA4D8AAAAAAADgPwAAAAAAAOA/AAAAAAAA4D8AAAAAAADgPwAAAAAAAOA/AAAAAAAA4D8AAAAAAADgPwAAAAAAAOA/AAAAAAAA4D8CAAAAjAAAAAAAAAAAAAAAu+DjDP///wgAAAAAAAAAAAAAAAAAAAAAAAAAAAAAAAAAAAAAZAAAAAEAAABAAAAAAAAAAAAAAAAAAAAAAAAAAAAAAAAAAAAAAAAAAAAAAAAAAAAAAAAAAAAAAAAAAAAAAAAAAAAAAAAAAAAAAAAAAAAAAAAAAAAAAAAAAAAAAAAAAAAAFAAAADwAAAAAAAAAAAAAAAAAAAkUAAAAAQAAABQAAAAUAAAAFAAAAAEAAAAAAAAAZAAAAGQAAAAAAAAAZAAAAGQAAAAVAAAAYAAAAAAAAAAAAAAADwAAACADAAAAAAAAAAAAAAEAAACgMgAAVgcAAKr4//8BAAAAf39/AAEAAABkAAAAAAAAABQAAABAHwAAAAAAACYAAAAAAAAAwOD//wAAAAAmAAAAZAAAABYAAABMAAAAAAAAAAAAAAAEAAAAAAAAAAEAAACAgIAKAAAAACgAAAAoAAAAZAAAAGQAAAAAAAAAzMzMAAAAAABQAAAAUAAAAGQAAABkAAAAAAAAABcAAAAUAAAAAAAAAAAAAAD/fwAA/38AAAAAAAAJAAAABAAAABxYQAweAAAAaAAAAAAAAAAAAAAAAAAAAAAAAAAAAAAAECcAABAnAAAAAAAAAAAAAAAAAAAAAAAAAAAAAAAAAAAAAAAAAAAAABQAAAAAAAAAwMD/AAAAAABkAAAAMgAAAAAAAABkAAAAAAAAAH9/fwAKAAAAIgAAABgAAAAAAAAAAAAAAAAAAAAAAAAAAAAAAAAAAAAkAAAAJAAAAAAAAAAHAAAAAAAAAAAAAAAAAAAAAAAAAAAAAAAAAAAAf39/ACUAAABYAAAAAAAAAAAAAAAAAAAAAAAAAAAAAAAAAAAAAAAAAAAAAAAAAAAAAAAAAAAAAAA/AAAAAAAAAKCGAQAAAAAAAAAAAAAAAAAMAAAAAQAAAAAAAAAAAAAAAAAAAB8AAABUAAAAAAAABQAAAAEAAAAAAAAAAAAAAAAAAAAAAAAAAAAAAAAAAAAAAAAAAAAAAAJ/f38AAAAAA8zMzADAwP8Af39/AAAAAAAAAAAAAAAAAAAAAAAAAAAAIQAAABgAAAAUAAAAoAUAABoNAABgRQAAJhYAABAAAAAmAAAACAAAAAEAAAAAAAAA"/>
+                <pr:smNativeData xmlns:pr="smNativeData" xmlns="smNativeData" val="SMDATA_15_msZJaRMAAAAlAAAAZAAAAA0AAAAAkAAAAEgAAACQAAAASAAAAAAAAAABAAAAAAAAAAEAAABQAAAAAAAAAAAA4D8AAAAAAADgPwAAAAAAAOA/AAAAAAAA4D8AAAAAAADgPwAAAAAAAOA/AAAAAAAA4D8AAAAAAADgPwAAAAAAAOA/AAAAAAAA4D8CAAAAjAAAAAAAAAAAAAAAu+DjDP///wgAAAAAAAAAAAAAAAAAAAAAAAAAAAAAAAAAAAAAZAAAAAEAAABAAAAAAAAAAAAAAAAAAAAAAAAAAAAAAAAAAAAAAAAAAAAAAAAAAAAAAAAAAAAAAAAAAAAAAAAAAAAAAAAAAAAAAAAAAAAAAAAAAAAAAAAAAAAAAAAAAAAAFAAAADwAAAAAAAAAAAAAAAAAAAkUAAAAAQAAABQAAAAUAAAAFAAAAAEAAAAAAAAAZAAAAGQAAAAAAAAAZAAAAGQAAAAVAAAAYAAAAAAAAAAAAAAADwAAACADAAAAAAAAAAAAAAEAAACgMgAAVgcAAKr4//8BAAAAf39/AAEAAABkAAAAAAAAABQAAABAHwAAAAAAACYAAAAAAAAAwOD//wAAAAAmAAAAZAAAABYAAABMAAAAAAAAAAAAAAAEAAAAAAAAAAEAAACAgIAKAAAAACgAAAAoAAAAZAAAAGQAAAAAAAAAzMzMAAAAAABQAAAAUAAAAGQAAABkAAAAAAAAABcAAAAUAAAAAAAAAAAAAAD/fwAA/38AAAAAAAAJAAAABAAAABxYQAweAAAAaAAAAAAAAAAAAAAAAAAAAAAAAAAAAAAAECcAABAnAAAAAAAAAAAAAAAAAAAAAAAAAAAAAAAAAAAAAAAAAAAAABQAAAAAAAAAwMD/AAAAAABkAAAAMgAAAAAAAABkAAAAAAAAAH9/fwAKAAAAIgAAABgAAAAAAAAAAAAAAAAAAAAAAAAAAAAAAAAAAAAkAAAAJAAAAAAAAAAHAAAAAAAAAAAAAAAAAAAAAAAAAAAAAAAAAAAAf39/ACUAAABYAAAAAAAAAAAAAAAAAAAAAAAAAAAAAAAAAAAAAAAAAAAAAAAAAAAAAAAAAAAAAAA/AAAAAAAAAKCGAQAAAAAAAAAAAAAAAAAMAAAAAQAAAAAAAAAAAAAAAAAAAB8AAABUAAAAAAAABQAAAAEAAAAAAAAAAAAAAAAAAAAAAAAAAAAAAAAAAAAAAAAAAAAAAAJ/f38AAAAAA8zMzADAwP8Af39/AAAAAAAAAAAAAAAAAAAAAAAAAAAAIQAAABgAAAAUAAAAoAUAABoNAABgRQAAJhYAABAAAAAmAAAACAAAAAEAAAAAAAAA"/>
               </a:ext>
             </a:extLst>
           </p:cNvSpPr>
@@ -279,7 +281,7 @@
             <a:spLocks noGrp="1" noChangeArrowheads="1"/>
             <a:extLst>
               <a:ext uri="smNativeData">
-                <pr:smNativeData xmlns:pr="smNativeData" xmlns="smNativeData" val="SMDATA_15_SSBGaRMAAAAlAAAAZAAAAA0AAAAAkAAAAEgAAACQAAAASAAAAAAAAAAAAAAAAAAAAAEAAABQAAAAAAAAAAAA4D8AAAAAAADgPwAAAAAAAOA/AAAAAAAA4D8AAAAAAADgPwAAAAAAAOA/AAAAAAAA4D8AAAAAAADgPwAAAAAAAOA/AAAAAAAA4D8CAAAAjAAAAAAAAAAAAAAAu+DjDP///wgAAAAAAAAAAAAAAAAAAAAAAAAAAAAAAAAAAAAAZAAAAAEAAABAAAAAAAAAAAAAAAAAAAAAAAAAAAAAAAAAAAAAAAAAAAAAAAAAAAAAAAAAAAAAAAAAAAAAAAAAAAAAAAAAAAAAAAAAAAAAAAAAAAAAAAAAAAAAAAAAAAAAFAAAADwAAAAAAAAAAAAAAAAAAAkUAAAAAQAAABQAAAAUAAAAFAAAAAEAAAAAAAAAZAAAAGQAAAAAAAAAZAAAAGQAAAAVAAAAYAAAAAAAAAAAAAAADwAAACADAAAAAAAAAAAAAAEAAACgMgAAVgcAAKr4//8BAAAAf39/AAEAAABkAAAAAAAAABQAAABAHwAAAAAAACYAAAAAAAAAwOD//wAAAAAmAAAAZAAAABYAAABMAAAAAAAAAAAAAAAEAAAAAAAAAAEAAACAgIAKAAAAACgAAAAoAAAAZAAAAGQAAAAAAAAAzMzMAAAAAABQAAAAUAAAAGQAAABkAAAAAAAAABcAAAAUAAAAAAAAAAAAAAD/fwAA/38AAAAAAAAJAAAABAAAAF8AYAAeAAAAaAAAAAAAAAAAAAAAAAAAAAAAAAAAAAAAECcAABAnAAAAAAAAAAAAAAAAAAAAAAAAAAAAAAAAAAAAAAAAAAAAABQAAAAAAAAAwMD/AAAAAABkAAAAMgAAAAAAAABkAAAAAAAAAH9/fwAKAAAAIgAAABgAAAAAAAAAAAAAAAAAAAAAAAAAAAAAAAAAAAAkAAAAJAAAAAAAAAAHAAAAAAAAAAAAAAAAAAAAAAAAAAAAAAAAAAAAf39/ACUAAABYAAAAAAAAAAAAAAAAAAAAAAAAAAAAAAAAAAAAAAAAAAAAAAAAAAAAAAAAAAAAAAA/AAAAAAAAAKCGAQAAAAAAAAAAAAAAAAAMAAAAAQAAAAAAAAAAAAAAAAAAAB8AAABUAAAAAAAABQAAAAEAAAAAAAAAAAAAAAAAAAAAAAAAAAAAAAAAAAAAAAAAAAAAAAJ/f38AAAAAA8zMzADAwP8Af39/AAAAAAAAAAAAAAAAAAAAAAAAAAAAIQAAABgAAAAUAAAAQAsAAOgXAADAPwAAsCIAABAAAAAmAAAACAAAAAGAAAAAAAAA"/>
+                <pr:smNativeData xmlns:pr="smNativeData" xmlns="smNativeData" val="SMDATA_15_msZJaRMAAAAlAAAAZAAAAA0AAAAAkAAAAEgAAACQAAAASAAAAAAAAAAAAAAAAAAAAAEAAABQAAAAAAAAAAAA4D8AAAAAAADgPwAAAAAAAOA/AAAAAAAA4D8AAAAAAADgPwAAAAAAAOA/AAAAAAAA4D8AAAAAAADgPwAAAAAAAOA/AAAAAAAA4D8CAAAAjAAAAAAAAAAAAAAAu+DjDP///wgAAAAAAAAAAAAAAAAAAAAAAAAAAAAAAAAAAAAAZAAAAAEAAABAAAAAAAAAAAAAAAAAAAAAAAAAAAAAAAAAAAAAAAAAAAAAAAAAAAAAAAAAAAAAAAAAAAAAAAAAAAAAAAAAAAAAAAAAAAAAAAAAAAAAAAAAAAAAAAAAAAAAFAAAADwAAAAAAAAAAAAAAAAAAAkUAAAAAQAAABQAAAAUAAAAFAAAAAEAAAAAAAAAZAAAAGQAAAAAAAAAZAAAAGQAAAAVAAAAYAAAAAAAAAAAAAAADwAAACADAAAAAAAAAAAAAAEAAACgMgAAVgcAAKr4//8BAAAAf39/AAEAAABkAAAAAAAAABQAAABAHwAAAAAAACYAAAAAAAAAwOD//wAAAAAmAAAAZAAAABYAAABMAAAAAAAAAAAAAAAEAAAAAAAAAAEAAACAgIAKAAAAACgAAAAoAAAAZAAAAGQAAAAAAAAAzMzMAAAAAABQAAAAUAAAAGQAAABkAAAAAAAAABcAAAAUAAAAAAAAAAAAAAD/fwAA/38AAAAAAAAJAAAABAAAAF8AYAAeAAAAaAAAAAAAAAAAAAAAAAAAAAAAAAAAAAAAECcAABAnAAAAAAAAAAAAAAAAAAAAAAAAAAAAAAAAAAAAAAAAAAAAABQAAAAAAAAAwMD/AAAAAABkAAAAMgAAAAAAAABkAAAAAAAAAH9/fwAKAAAAIgAAABgAAAAAAAAAAAAAAAAAAAAAAAAAAAAAAAAAAAAkAAAAJAAAAAAAAAAHAAAAAAAAAAAAAAAAAAAAAAAAAAAAAAAAAAAAf39/ACUAAABYAAAAAAAAAAAAAAAAAAAAAAAAAAAAAAAAAAAAAAAAAAAAAAAAAAAAAAAAAAAAAAA/AAAAAAAAAKCGAQAAAAAAAAAAAAAAAAAMAAAAAQAAAAAAAAAAAAAAAAAAAB8AAABUAAAAAAAABQAAAAEAAAAAAAAAAAAAAAAAAAAAAAAAAAAAAAAAAAAAAAAAAAAAAAJ/f38AAAAAA8zMzADAwP8Af39/AAAAAAAAAAAAAAAAAAAAAAAAAAAAIQAAABgAAAAUAAAAQAsAAOgXAADAPwAAsCIAABAAAAAmAAAACAAAAAGAAAAAAAAA"/>
               </a:ext>
             </a:extLst>
           </p:cNvSpPr>
@@ -339,7 +341,7 @@
             <a:spLocks noGrp="1" noChangeArrowheads="1"/>
             <a:extLst>
               <a:ext uri="smNativeData">
-                <pr:smNativeData xmlns:pr="smNativeData" xmlns="smNativeData" val="SMDATA_15_SSBGaRMAAAAlAAAAZAAAAA0AAAAAkAAAAEgAAACQAAAASAAAAAAAAAABAAAAAAAAAAEAAABQAAAAAAAAAAAA4D8AAAAAAADgPwAAAAAAAOA/AAAAAAAA4D8AAAAAAADgPwAAAAAAAOA/AAAAAAAA4D8AAAAAAADgPwAAAAAAAOA/AAAAAAAA4D8CAAAAjAAAAAAAAAAAAAAAu+DjDP///wgAAAAAAAAAAAAAAAAAAAAAAAAAAAAAAAAAAAAAZAAAAAEAAABAAAAAAAAAAAAAAAAAAAAAAAAAAAAAAAAAAAAAAAAAAAAAAAAAAAAAAAAAAAAAAAAAAAAAAAAAAAAAAAAAAAAAAAAAAAAAAAAAAAAAAAAAAAAAAAAAAAAAFAAAADwAAAAAAAAAAAAAAAAAAAkUAAAAAQAAABQAAAAUAAAAFAAAAAEAAAAAAAAAZAAAAGQAAAAAAAAAZAAAAGQAAAAVAAAAYAAAAAAAAAAAAAAADwAAACADAAAAAAAAAAAAAAEAAACgMgAAVgcAAKr4//8BAAAAf39/AAEAAABkAAAAAAAAABQAAABAHwAAAAAAACYAAAAAAAAAwOD//wAAAAAmAAAAZAAAABYAAABMAAAAAAAAAAAAAAAEAAAAAAAAAAEAAACAgIAKAAAAACgAAAAoAAAAZAAAAGQAAAAAAAAAzMzMAAAAAABQAAAAUAAAAGQAAABkAAAAAAAAABcAAAAUAAAAAAAAAAAAAAD/fwAA/38AAAAAAAAJAAAABAAAACyUxw4eAAAAaAAAAAAAAAAAAAAAAAAAAAAAAAAAAAAAECcAABAnAAAAAAAAAAAAAAAAAAAAAAAAAAAAAAAAAAAAAAAAAAAAABQAAAAAAAAAwMD/AAAAAABkAAAAMgAAAAAAAABkAAAAAAAAAH9/fwAKAAAAIgAAABgAAAAAAAAAAAAAAAAAAAAAAAAAAAAAAAAAAAAkAAAAJAAAAAAAAAAHAAAAAAAAAAAAAAAAAAAAAAAAAAAAAAAAAAAAf39/ACUAAABYAAAAAAAAAAAAAAAAAAAAAAAAAAAAAAAAAAAAAAAAAAAAAAAAAAAAAAAAAAAAAAA/AAAAAAAAAKCGAQAAAAAAAAAAAAAAAAAMAAAAAQAAAAAAAAAAAAAAAAAAAB8AAABUAAAAAAAABQAAAAEAAAAAAAAAAAAAAAAAAAAAAAAAAAAAAAAAAAAAAAAAAAAAAAJ/f38AAAAAA8zMzADAwP8Af39/AAAAAAAAAAAAAAAAAAAAAAAAAAAAIQAAABgAAAAUAAAAwAMAABsnAAA/FQAAWSkAABAAAAAmAAAACAAAAAAAAAAAAAAA"/>
+                <pr:smNativeData xmlns:pr="smNativeData" xmlns="smNativeData" val="SMDATA_15_msZJaRMAAAAlAAAAZAAAAA0AAAAAkAAAAEgAAACQAAAASAAAAAAAAAABAAAAAAAAAAEAAABQAAAAAAAAAAAA4D8AAAAAAADgPwAAAAAAAOA/AAAAAAAA4D8AAAAAAADgPwAAAAAAAOA/AAAAAAAA4D8AAAAAAADgPwAAAAAAAOA/AAAAAAAA4D8CAAAAjAAAAAAAAAAAAAAAu+DjDP///wgAAAAAAAAAAAAAAAAAAAAAAAAAAAAAAAAAAAAAZAAAAAEAAABAAAAAAAAAAAAAAAAAAAAAAAAAAAAAAAAAAAAAAAAAAAAAAAAAAAAAAAAAAAAAAAAAAAAAAAAAAAAAAAAAAAAAAAAAAAAAAAAAAAAAAAAAAAAAAAAAAAAAFAAAADwAAAAAAAAAAAAAAAAAAAkUAAAAAQAAABQAAAAUAAAAFAAAAAEAAAAAAAAAZAAAAGQAAAAAAAAAZAAAAGQAAAAVAAAAYAAAAAAAAAAAAAAADwAAACADAAAAAAAAAAAAAAEAAACgMgAAVgcAAKr4//8BAAAAf39/AAEAAABkAAAAAAAAABQAAABAHwAAAAAAACYAAAAAAAAAwOD//wAAAAAmAAAAZAAAABYAAABMAAAAAAAAAAAAAAAEAAAAAAAAAAEAAACAgIAKAAAAACgAAAAoAAAAZAAAAGQAAAAAAAAAzMzMAAAAAABQAAAAUAAAAGQAAABkAAAAAAAAABcAAAAUAAAAAAAAAAAAAAD/fwAA/38AAAAAAAAJAAAABAAAACyUxw4eAAAAaAAAAAAAAAAAAAAAAAAAAAAAAAAAAAAAECcAABAnAAAAAAAAAAAAAAAAAAAAAAAAAAAAAAAAAAAAAAAAAAAAABQAAAAAAAAAwMD/AAAAAABkAAAAMgAAAAAAAABkAAAAAAAAAH9/fwAKAAAAIgAAABgAAAAAAAAAAAAAAAAAAAAAAAAAAAAAAAAAAAAkAAAAJAAAAAAAAAAHAAAAAAAAAAAAAAAAAAAAAAAAAAAAAAAAAAAAf39/ACUAAABYAAAAAAAAAAAAAAAAAAAAAAAAAAAAAAAAAAAAAAAAAAAAAAAAAAAAAAAAAAAAAAA/AAAAAAAAAKCGAQAAAAAAAAAAAAAAAAAMAAAAAQAAAAAAAAAAAAAAAAAAAB8AAABUAAAAAAAABQAAAAEAAAAAAAAAAAAAAAAAAAAAAAAAAAAAAAAAAAAAAAAAAAAAAAJ/f38AAAAAA8zMzADAwP8Af39/AAAAAAAAAAAAAAAAAAAAAAAAAAAAIQAAABgAAAAUAAAAwAMAABsnAAA/FQAAWSkAABAAAAAmAAAACAAAAAAAAAAAAAAA"/>
               </a:ext>
             </a:extLst>
           </p:cNvSpPr>
@@ -353,7 +355,7 @@
           <a:lstStyle/>
           <a:p>
             <a:pPr/>
-            <a:fld id="{1B0EEA78-36F6-5B1C-B8B6-C049A4F84E95}" type="datetime1">
+            <a:fld id="{0DCF7540-0EE0-9A83-AE77-F8D63B3958AD}" type="datetime1">
               <a:t/>
             </a:fld>
           </a:p>
@@ -366,7 +368,7 @@
             <a:spLocks noGrp="1" noChangeArrowheads="1"/>
             <a:extLst>
               <a:ext uri="smNativeData">
-                <pr:smNativeData xmlns:pr="smNativeData" xmlns="smNativeData" val="SMDATA_15_SSBGaRMAAAAlAAAAZAAAAA0AAAAAkAAAAEgAAACQAAAASAAAAAAAAAABAAAAAAAAAAEAAABQAAAAAAAAAAAA4D8AAAAAAADgPwAAAAAAAOA/AAAAAAAA4D8AAAAAAADgPwAAAAAAAOA/AAAAAAAA4D8AAAAAAADgPwAAAAAAAOA/AAAAAAAA4D8CAAAAjAAAAAAAAAAAAAAAu+DjDP///wgAAAAAAAAAAAAAAAAAAAAAAAAAAAAAAAAAAAAAZAAAAAEAAABAAAAAAAAAAAAAAAAAAAAAAAAAAAAAAAAAAAAAAAAAAAAAAAAAAAAAAAAAAAAAAAAAAAAAAAAAAAAAAAAAAAAAAAAAAAAAAAAAAAAAAAAAAAAAAAAAAAAAFAAAADwAAAAAAAAAAAAAAAAAAAkUAAAAAQAAABQAAAAUAAAAFAAAAAEAAAAAAAAAZAAAAGQAAAAAAAAAZAAAAGQAAAAVAAAAYAAAAAAAAAAAAAAADwAAACADAAAAAAAAAAAAAAEAAACgMgAAVgcAAKr4//8BAAAAf39/AAEAAABkAAAAAAAAABQAAABAHwAAAAAAACYAAAAAAAAAwOD//wAAAAAmAAAAZAAAABYAAABMAAAAAAAAAAAAAAAEAAAAAAAAAAEAAACAgIAKAAAAACgAAAAoAAAAZAAAAGQAAAAAAAAAzMzMAAAAAABQAAAAUAAAAGQAAABkAAAAAAAAABcAAAAUAAAAAAAAAAAAAAD/fwAA/38AAAAAAAAJAAAABAAAAGxpY2keAAAAaAAAAAAAAAAAAAAAAAAAAAAAAAAAAAAAECcAABAnAAAAAAAAAAAAAAAAAAAAAAAAAAAAAAAAAAAAAAAAAAAAABQAAAAAAAAAwMD/AAAAAABkAAAAMgAAAAAAAABkAAAAAAAAAH9/fwAKAAAAIgAAABgAAAAAAAAAAAAAAAAAAAAAAAAAAAAAAAAAAAAkAAAAJAAAAAAAAAAHAAAAAAAAAAAAAAAAAAAAAAAAAAAAAAAAAAAAf39/ACUAAABYAAAAAAAAAAAAAAAAAAAAAAAAAAAAAAAAAAAAAAAAAAAAAAAAAAAAAAAAAAAAAAA/AAAAAAAAAKCGAQAAAAAAAAAAAAAAAAAMAAAAAQAAAAAAAAAAAAAAAAAAAB8AAABUAAAAAAAABQAAAAEAAAAAAAAAAAAAAAAAAAAAAAAAAAAAAAAAAAAAAAAAAAAAAAJ/f38AAAAAA8zMzADAwP8Af39/AAAAAAAAAAAAAAAAAAAAAAAAAAAAIQAAABgAAAAUAAAAoRkAABsnAABfMQAAWSkAABAAAAAmAAAACAAAAAAAAAAAAAAA"/>
+                <pr:smNativeData xmlns:pr="smNativeData" xmlns="smNativeData" val="SMDATA_15_msZJaRMAAAAlAAAAZAAAAA0AAAAAkAAAAEgAAACQAAAASAAAAAAAAAABAAAAAAAAAAEAAABQAAAAAAAAAAAA4D8AAAAAAADgPwAAAAAAAOA/AAAAAAAA4D8AAAAAAADgPwAAAAAAAOA/AAAAAAAA4D8AAAAAAADgPwAAAAAAAOA/AAAAAAAA4D8CAAAAjAAAAAAAAAAAAAAAu+DjDP///wgAAAAAAAAAAAAAAAAAAAAAAAAAAAAAAAAAAAAAZAAAAAEAAABAAAAAAAAAAAAAAAAAAAAAAAAAAAAAAAAAAAAAAAAAAAAAAAAAAAAAAAAAAAAAAAAAAAAAAAAAAAAAAAAAAAAAAAAAAAAAAAAAAAAAAAAAAAAAAAAAAAAAFAAAADwAAAAAAAAAAAAAAAAAAAkUAAAAAQAAABQAAAAUAAAAFAAAAAEAAAAAAAAAZAAAAGQAAAAAAAAAZAAAAGQAAAAVAAAAYAAAAAAAAAAAAAAADwAAACADAAAAAAAAAAAAAAEAAACgMgAAVgcAAKr4//8BAAAAf39/AAEAAABkAAAAAAAAABQAAABAHwAAAAAAACYAAAAAAAAAwOD//wAAAAAmAAAAZAAAABYAAABMAAAAAAAAAAAAAAAEAAAAAAAAAAEAAACAgIAKAAAAACgAAAAoAAAAZAAAAGQAAAAAAAAAzMzMAAAAAABQAAAAUAAAAGQAAABkAAAAAAAAABcAAAAUAAAAAAAAAAAAAAD/fwAA/38AAAAAAAAJAAAABAAAAGxpY2keAAAAaAAAAAAAAAAAAAAAAAAAAAAAAAAAAAAAECcAABAnAAAAAAAAAAAAAAAAAAAAAAAAAAAAAAAAAAAAAAAAAAAAABQAAAAAAAAAwMD/AAAAAABkAAAAMgAAAAAAAABkAAAAAAAAAH9/fwAKAAAAIgAAABgAAAAAAAAAAAAAAAAAAAAAAAAAAAAAAAAAAAAkAAAAJAAAAAAAAAAHAAAAAAAAAAAAAAAAAAAAAAAAAAAAAAAAAAAAf39/ACUAAABYAAAAAAAAAAAAAAAAAAAAAAAAAAAAAAAAAAAAAAAAAAAAAAAAAAAAAAAAAAAAAAA/AAAAAAAAAKCGAQAAAAAAAAAAAAAAAAAMAAAAAQAAAAAAAAAAAAAAAAAAAB8AAABUAAAAAAAABQAAAAEAAAAAAAAAAAAAAAAAAAAAAAAAAAAAAAAAAAAAAAAAAAAAAAJ/f38AAAAAA8zMzADAwP8Af39/AAAAAAAAAAAAAAAAAAAAAAAAAAAAIQAAABgAAAAUAAAAoRkAABsnAABfMQAAWSkAABAAAAAmAAAACAAAAAAAAAAAAAAA"/>
               </a:ext>
             </a:extLst>
           </p:cNvSpPr>
@@ -390,7 +392,7 @@
             <a:spLocks noGrp="1" noChangeArrowheads="1"/>
             <a:extLst>
               <a:ext uri="smNativeData">
-                <pr:smNativeData xmlns:pr="smNativeData" xmlns="smNativeData" val="SMDATA_15_SSBGaRMAAAAlAAAAZAAAAA0AAAAAkAAAAEgAAACQAAAASAAAAAAAAAABAAAAAAAAAAEAAABQAAAAAAAAAAAA4D8AAAAAAADgPwAAAAAAAOA/AAAAAAAA4D8AAAAAAADgPwAAAAAAAOA/AAAAAAAA4D8AAAAAAADgPwAAAAAAAOA/AAAAAAAA4D8CAAAAjAAAAAAAAAAAAAAAu+DjDP///wgAAAAAAAAAAAAAAAAAAAAAAAAAAAAAAAAAAAAAZAAAAAEAAABAAAAAAAAAAAAAAAAAAAAAAAAAAAAAAAAAAAAAAAAAAAAAAAAAAAAAAAAAAAAAAAAAAAAAAAAAAAAAAAAAAAAAAAAAAAAAAAAAAAAAAAAAAAAAAAAAAAAAFAAAADwAAAAAAAAAAAAAAAAAAAkUAAAAAQAAABQAAAAUAAAAFAAAAAEAAAAAAAAAZAAAAGQAAAAAAAAAZAAAAGQAAAAVAAAAYAAAAAAAAAAAAAAADwAAACADAAAAAAAAAAAAAAEAAACgMgAAVgcAAKr4//8BAAAAf39/AAEAAABkAAAAAAAAABQAAABAHwAAAAAAACYAAAAAAAAAwOD//wAAAAAmAAAAZAAAABYAAABMAAAAAAAAAAAAAAAEAAAAAAAAAAEAAACAgIAKAAAAACgAAAAoAAAAZAAAAGQAAAAAAAAAzMzMAAAAAABQAAAAUAAAAGQAAABkAAAAAAAAABcAAAAUAAAAAAAAAAAAAAD/fwAA/38AAAAAAAAJAAAABAAAAF8AYAAeAAAAaAAAAAAAAAAAAAAAAAAAAAAAAAAAAAAAECcAABAnAAAAAAAAAAAAAAAAAAAAAAAAAAAAAAAAAAAAAAAAAAAAABQAAAAAAAAAwMD/AAAAAABkAAAAMgAAAAAAAABkAAAAAAAAAH9/fwAKAAAAIgAAABgAAAAAAAAAAAAAAAAAAAAAAAAAAAAAAAAAAAAkAAAAJAAAAAAAAAAHAAAAAAAAAAAAAAAAAAAAAAAAAAAAAAAAAAAAf39/ACUAAABYAAAAAAAAAAAAAAAAAAAAAAAAAAAAAAAAAAAAAAAAAAAAAAAAAAAAAAAAAAAAAAA/AAAAAAAAAKCGAQAAAAAAAAAAAAAAAAAMAAAAAQAAAAAAAAAAAAAAAAAAAB8AAABUAAAAAAAABQAAAAEAAAAAAAAAAAAAAAAAAAAAAAAAAAAAAAAAAAAAAAAAAAAAAAJ/f38AAAAAA8zMzADAwP8Af39/AAAAAAAAAAAAAAAAAAAAAAAAAAAAIQAAABgAAAAUAAAAwTUAABsnAABARwAAWSkAABAAAAAmAAAACAAAAAAAAAAAAAAA"/>
+                <pr:smNativeData xmlns:pr="smNativeData" xmlns="smNativeData" val="SMDATA_15_msZJaRMAAAAlAAAAZAAAAA0AAAAAkAAAAEgAAACQAAAASAAAAAAAAAABAAAAAAAAAAEAAABQAAAAAAAAAAAA4D8AAAAAAADgPwAAAAAAAOA/AAAAAAAA4D8AAAAAAADgPwAAAAAAAOA/AAAAAAAA4D8AAAAAAADgPwAAAAAAAOA/AAAAAAAA4D8CAAAAjAAAAAAAAAAAAAAAu+DjDP///wgAAAAAAAAAAAAAAAAAAAAAAAAAAAAAAAAAAAAAZAAAAAEAAABAAAAAAAAAAAAAAAAAAAAAAAAAAAAAAAAAAAAAAAAAAAAAAAAAAAAAAAAAAAAAAAAAAAAAAAAAAAAAAAAAAAAAAAAAAAAAAAAAAAAAAAAAAAAAAAAAAAAAFAAAADwAAAAAAAAAAAAAAAAAAAkUAAAAAQAAABQAAAAUAAAAFAAAAAEAAAAAAAAAZAAAAGQAAAAAAAAAZAAAAGQAAAAVAAAAYAAAAAAAAAAAAAAADwAAACADAAAAAAAAAAAAAAEAAACgMgAAVgcAAKr4//8BAAAAf39/AAEAAABkAAAAAAAAABQAAABAHwAAAAAAACYAAAAAAAAAwOD//wAAAAAmAAAAZAAAABYAAABMAAAAAAAAAAAAAAAEAAAAAAAAAAEAAACAgIAKAAAAACgAAAAoAAAAZAAAAGQAAAAAAAAAzMzMAAAAAABQAAAAUAAAAGQAAABkAAAAAAAAABcAAAAUAAAAAAAAAAAAAAD/fwAA/38AAAAAAAAJAAAABAAAAF8AYAAeAAAAaAAAAAAAAAAAAAAAAAAAAAAAAAAAAAAAECcAABAnAAAAAAAAAAAAAAAAAAAAAAAAAAAAAAAAAAAAAAAAAAAAABQAAAAAAAAAwMD/AAAAAABkAAAAMgAAAAAAAABkAAAAAAAAAH9/fwAKAAAAIgAAABgAAAAAAAAAAAAAAAAAAAAAAAAAAAAAAAAAAAAkAAAAJAAAAAAAAAAHAAAAAAAAAAAAAAAAAAAAAAAAAAAAAAAAAAAAf39/ACUAAABYAAAAAAAAAAAAAAAAAAAAAAAAAAAAAAAAAAAAAAAAAAAAAAAAAAAAAAAAAAAAAAA/AAAAAAAAAKCGAQAAAAAAAAAAAAAAAAAMAAAAAQAAAAAAAAAAAAAAAAAAAB8AAABUAAAAAAAABQAAAAEAAAAAAAAAAAAAAAAAAAAAAAAAAAAAAAAAAAAAAAAAAAAAAAJ/f38AAAAAA8zMzADAwP8Af39/AAAAAAAAAAAAAAAAAAAAAAAAAAAAIQAAABgAAAAUAAAAwTUAABsnAABARwAAWSkAABAAAAAmAAAACAAAAAAAAAAAAAAA"/>
               </a:ext>
             </a:extLst>
           </p:cNvSpPr>
@@ -404,7 +406,7 @@
           <a:lstStyle/>
           <a:p>
             <a:pPr/>
-            <a:fld id="{1B0EE631-7FF6-5B10-B8B6-8945A8F84EDC}" type="slidenum">
+            <a:fld id="{0DCF08F7-B9E0-9AFE-AE77-4FAB4639581A}" type="slidenum">
               <a:t/>
             </a:fld>
           </a:p>
@@ -443,7 +445,7 @@
             <a:spLocks noGrp="1" noChangeArrowheads="1"/>
             <a:extLst>
               <a:ext uri="smNativeData">
-                <pr:smNativeData xmlns:pr="smNativeData" xmlns="smNativeData" val="SMDATA_15_SSBGaRMAAAAlAAAAZAAAAA0AAAAAkAAAAEgAAACQAAAASAAAAAAAAAABAAAAAAAAAAEAAABQAAAAAAAAAAAA4D8AAAAAAADgPwAAAAAAAOA/AAAAAAAA4D8AAAAAAADgPwAAAAAAAOA/AAAAAAAA4D8AAAAAAADgPwAAAAAAAOA/AAAAAAAA4D8CAAAAjAAAAAAAAAAAAAAAu+DjDP///wgAAAAAAAAAAAAAAAAAAAAAAAAAAAAAAAAAAAAAZAAAAAEAAABAAAAAAAAAAAAAAAAAAAAAAAAAAAAAAAAAAAAAAAAAAAAAAAAAAAAAAAAAAAAAAAAAAAAAAAAAAAAAAAAAAAAAAAAAAAAAAAAAAAAAAAAAAAAAAAAAAAAAFAAAADwAAAAAAAAAAAAAAAAAAAkUAAAAAQAAABQAAAAUAAAAFAAAAAEAAAAAAAAAZAAAAGQAAAAAAAAAZAAAAGQAAAAVAAAAYAAAAAAAAAAAAAAADwAAACADAAAAAAAAAAAAAAEAAACgMgAAVgcAAKr4//8BAAAAf39/AAEAAABkAAAAAAAAABQAAABAHwAAAAAAACYAAAAAAAAAwOD//wAAAAAmAAAAZAAAABYAAABMAAAAAAAAAAAAAAAEAAAAAAAAAAEAAACAgIAKAAAAACgAAAAoAAAAZAAAAGQAAAAAAAAAzMzMAAAAAABQAAAAUAAAAGQAAABkAAAAAAAAABcAAAAUAAAAAAAAAAAAAAD/fwAA/38AAAAAAAAJAAAABAAAAAAAAAAeAAAAaAAAAAAAAAAAAAAAAAAAAAAAAAAAAAAAECcAABAnAAAAAAAAAAAAAAAAAAAAAAAAAAAAAAAAAAAAAAAAAAAAABQAAAAAAAAAwMD/AAAAAABkAAAAMgAAAAAAAABkAAAAAAAAAH9/fwAKAAAAIgAAABgAAAAAAAAAAAAAAAAAAAAAAAAAAAAAAAAAAAAkAAAAJAAAAAAAAAAHAAAAAAAAAAAAAAAAAAAAAAAAAAAAAAAAAAAAf39/ACUAAABYAAAAAAAAAAAAAAAAAAAAAAAAAAAAAAAAAAAAAAAAAAAAAAAAAAAAAAAAAAAAAAA/AAAAAAAAAKCGAQAAAAAAAAAAAAAAAAAMAAAAAQAAAAAAAAAAAAAAAAAAAB8AAABUAAAAAAAABQAAAAEAAAAAAAAAAAAAAAAAAAAAAAAAAAAAAAAAAAAAAAAAAAAAAAJ/f38AAAAAA8zMzADAwP8Af39/AAAAAAAAAAAAAAAAAAAAAAAAAAAAIQAAABgAAAAUAAAAwAMAALABAABARwAAuAgAABAAAAAmAAAACAAAAAAAAAAAAAAA"/>
+                <pr:smNativeData xmlns:pr="smNativeData" xmlns="smNativeData" val="SMDATA_15_msZJaRMAAAAlAAAAZAAAAA0AAAAAkAAAAEgAAACQAAAASAAAAAAAAAABAAAAAAAAAAEAAABQAAAAAAAAAAAA4D8AAAAAAADgPwAAAAAAAOA/AAAAAAAA4D8AAAAAAADgPwAAAAAAAOA/AAAAAAAA4D8AAAAAAADgPwAAAAAAAOA/AAAAAAAA4D8CAAAAjAAAAAAAAAAAAAAAu+DjDP///wgAAAAAAAAAAAAAAAAAAAAAAAAAAAAAAAAAAAAAZAAAAAEAAABAAAAAAAAAAAAAAAAAAAAAAAAAAAAAAAAAAAAAAAAAAAAAAAAAAAAAAAAAAAAAAAAAAAAAAAAAAAAAAAAAAAAAAAAAAAAAAAAAAAAAAAAAAAAAAAAAAAAAFAAAADwAAAAAAAAAAAAAAAAAAAkUAAAAAQAAABQAAAAUAAAAFAAAAAEAAAAAAAAAZAAAAGQAAAAAAAAAZAAAAGQAAAAVAAAAYAAAAAAAAAAAAAAADwAAACADAAAAAAAAAAAAAAEAAACgMgAAVgcAAKr4//8BAAAAf39/AAEAAABkAAAAAAAAABQAAABAHwAAAAAAACYAAAAAAAAAwOD//wAAAAAmAAAAZAAAABYAAABMAAAAAAAAAAAAAAAEAAAAAAAAAAEAAACAgIAKAAAAACgAAAAoAAAAZAAAAGQAAAAAAAAAzMzMAAAAAABQAAAAUAAAAGQAAABkAAAAAAAAABcAAAAUAAAAAAAAAAAAAAD/fwAA/38AAAAAAAAJAAAABAAAAAAAAAAeAAAAaAAAAAAAAAAAAAAAAAAAAAAAAAAAAAAAECcAABAnAAAAAAAAAAAAAAAAAAAAAAAAAAAAAAAAAAAAAAAAAAAAABQAAAAAAAAAwMD/AAAAAABkAAAAMgAAAAAAAABkAAAAAAAAAH9/fwAKAAAAIgAAABgAAAAAAAAAAAAAAAAAAAAAAAAAAAAAAAAAAAAkAAAAJAAAAAAAAAAHAAAAAAAAAAAAAAAAAAAAAAAAAAAAAAAAAAAAf39/ACUAAABYAAAAAAAAAAAAAAAAAAAAAAAAAAAAAAAAAAAAAAAAAAAAAAAAAAAAAAAAAAAAAAA/AAAAAAAAAKCGAQAAAAAAAAAAAAAAAAAMAAAAAQAAAAAAAAAAAAAAAAAAAB8AAABUAAAAAAAABQAAAAEAAAAAAAAAAAAAAAAAAAAAAAAAAAAAAAAAAAAAAAAAAAAAAAJ/f38AAAAAA8zMzADAwP8Af39/AAAAAAAAAAAAAAAAAAAAAAAAAAAAIQAAABgAAAAUAAAAwAMAALABAABARwAAuAgAABAAAAAmAAAACAAAAAAAAAAAAAAA"/>
               </a:ext>
             </a:extLst>
           </p:cNvSpPr>
@@ -470,7 +472,7 @@
             <a:spLocks noGrp="1" noChangeArrowheads="1"/>
             <a:extLst>
               <a:ext uri="smNativeData">
-                <pr:smNativeData xmlns:pr="smNativeData" xmlns="smNativeData" val="SMDATA_15_SSBGaRMAAAAlAAAAZAAAAA0AAAAAkAAAAEgAAACQAAAASAAAAAAAAAAAAAAAAQAAAAEAAABQAAAAAAAAAAAA4D8AAAAAAADgPwAAAAAAAOA/AAAAAAAA4D8AAAAAAADgPwAAAAAAAOA/AAAAAAAA4D8AAAAAAADgPwAAAAAAAOA/AAAAAAAA4D8CAAAAjAAAAAAAAAAAAAAAu+DjDP///wgAAAAAAAAAAAAAAAAAAAAAAAAAAAAAAAAAAAAAZAAAAAEAAABAAAAAAAAAAAAAAAAAAAAAAAAAAAAAAAAAAAAAAAAAAAAAAAAAAAAAAAAAAAAAAAAAAAAAAAAAAAAAAAAAAAAAAAAAAAAAAAAAAAAAAAAAAAAAAAAAAAAAFAAAADwAAAAAAAAAAAAAAAAAAAkUAAAAAQAAABQAAAAUAAAAFAAAAAEAAAAAAAAAZAAAAGQAAAAAAAAAZAAAAGQAAAAVAAAAYAAAAAAAAAAAAAAADwAAACADAAAAAAAAAAAAAAEAAACgMgAAVgcAAKr4//8BAAAAf39/AAEAAABkAAAAAAAAABQAAABAHwAAAAAAACYAAAAAAAAAwOD//wAAAAAmAAAAZAAAABYAAABMAAAAAAAAAAAAAAAEAAAAAAAAAAEAAACAgIAKAAAAACgAAAAoAAAAZAAAAGQAAAAAAAAAzMzMAAAAAABQAAAAUAAAAGQAAABkAAAAAAAAABcAAAAUAAAAAAAAAAAAAAD/fwAA/38AAAAAAAAJAAAABAAAAAAAAAAeAAAAaAAAAAAAAAAAAAAAAAAAAAAAAAAAAAAAECcAABAnAAAAAAAAAAAAAAAAAAAAAAAAAAAAAAAAAAAAAAAAAAAAABQAAAAAAAAAwMD/AAAAAABkAAAAMgAAAAAAAABkAAAAAAAAAH9/fwAKAAAAIgAAABgAAAAAAAAAAAAAAAAAAAAAAAAAAAAAAAAAAAAkAAAAJAAAAAAAAAAHAAAAAAAAAAAAAAAAAAAAAAAAAAAAAAAAAAAAf39/ACUAAABYAAAAAAAAAAAAAAAAAAAAAAAAAAAAAAAAAAAAAAAAAAAAAAAAAAAAAAAAAAAAAAA/AAAAAAAAAKCGAQAAAAAAAAAAAAAAAAAMAAAAAQAAAAAAAAAAAAAAAAAAAB8AAABUAAAAAAAABQAAAAEAAAAAAAAAAAAAAAAAAAAAAAAAAAAAAAAAAAAAAAAAAAAAAAJ/f38AAAAAA8zMzADAwP8Af39/AAAAAAAAAAAAAAAAAAAAAAAAAAAAIQAAABgAAAAUAAAAwAMAANgJAABARwAAsCUAABAAAAAmAAAACAAAAAIQAAAAAAAA"/>
+                <pr:smNativeData xmlns:pr="smNativeData" xmlns="smNativeData" val="SMDATA_15_msZJaRMAAAAlAAAAZAAAAA0AAAAAkAAAAEgAAACQAAAASAAAAAAAAAAAAAAAAQAAAAEAAABQAAAAAAAAAAAA4D8AAAAAAADgPwAAAAAAAOA/AAAAAAAA4D8AAAAAAADgPwAAAAAAAOA/AAAAAAAA4D8AAAAAAADgPwAAAAAAAOA/AAAAAAAA4D8CAAAAjAAAAAAAAAAAAAAAu+DjDP///wgAAAAAAAAAAAAAAAAAAAAAAAAAAAAAAAAAAAAAZAAAAAEAAABAAAAAAAAAAAAAAAAAAAAAAAAAAAAAAAAAAAAAAAAAAAAAAAAAAAAAAAAAAAAAAAAAAAAAAAAAAAAAAAAAAAAAAAAAAAAAAAAAAAAAAAAAAAAAAAAAAAAAFAAAADwAAAAAAAAAAAAAAAAAAAkUAAAAAQAAABQAAAAUAAAAFAAAAAEAAAAAAAAAZAAAAGQAAAAAAAAAZAAAAGQAAAAVAAAAYAAAAAAAAAAAAAAADwAAACADAAAAAAAAAAAAAAEAAACgMgAAVgcAAKr4//8BAAAAf39/AAEAAABkAAAAAAAAABQAAABAHwAAAAAAACYAAAAAAAAAwOD//wAAAAAmAAAAZAAAABYAAABMAAAAAAAAAAAAAAAEAAAAAAAAAAEAAACAgIAKAAAAACgAAAAoAAAAZAAAAGQAAAAAAAAAzMzMAAAAAABQAAAAUAAAAGQAAABkAAAAAAAAABcAAAAUAAAAAAAAAAAAAAD/fwAA/38AAAAAAAAJAAAABAAAAAAAAAAeAAAAaAAAAAAAAAAAAAAAAAAAAAAAAAAAAAAAECcAABAnAAAAAAAAAAAAAAAAAAAAAAAAAAAAAAAAAAAAAAAAAAAAABQAAAAAAAAAwMD/AAAAAABkAAAAMgAAAAAAAABkAAAAAAAAAH9/fwAKAAAAIgAAABgAAAAAAAAAAAAAAAAAAAAAAAAAAAAAAAAAAAAkAAAAJAAAAAAAAAAHAAAAAAAAAAAAAAAAAAAAAAAAAAAAAAAAAAAAf39/ACUAAABYAAAAAAAAAAAAAAAAAAAAAAAAAAAAAAAAAAAAAAAAAAAAAAAAAAAAAAAAAAAAAAA/AAAAAAAAAKCGAQAAAAAAAAAAAAAAAAAMAAAAAQAAAAAAAAAAAAAAAAAAAB8AAABUAAAAAAAABQAAAAEAAAAAAAAAAAAAAAAAAAAAAAAAAAAAAAAAAAAAAAAAAAAAAAJ/f38AAAAAA8zMzADAwP8Af39/AAAAAAAAAAAAAAAAAAAAAAAAAAAAIQAAABgAAAAUAAAAwAMAANgJAABARwAAsCUAABAAAAAmAAAACAAAAAIQAAAAAAAA"/>
               </a:ext>
             </a:extLst>
           </p:cNvSpPr>
@@ -525,7 +527,7 @@
             <a:spLocks noGrp="1" noChangeArrowheads="1"/>
             <a:extLst>
               <a:ext uri="smNativeData">
-                <pr:smNativeData xmlns:pr="smNativeData" xmlns="smNativeData" val="SMDATA_15_SSBGaRMAAAAlAAAAZAAAAA0AAAAAkAAAAEgAAACQAAAASAAAAAAAAAABAAAAAAAAAAEAAABQAAAAAAAAAAAA4D8AAAAAAADgPwAAAAAAAOA/AAAAAAAA4D8AAAAAAADgPwAAAAAAAOA/AAAAAAAA4D8AAAAAAADgPwAAAAAAAOA/AAAAAAAA4D8CAAAAjAAAAAAAAAAAAAAAu+DjDP///wgAAAAAAAAAAAAAAAAAAAAAAAAAAAAAAAAAAAAAZAAAAAEAAABAAAAAAAAAAAAAAAAAAAAAAAAAAAAAAAAAAAAAAAAAAAAAAAAAAAAAAAAAAAAAAAAAAAAAAAAAAAAAAAAAAAAAAAAAAAAAAAAAAAAAAAAAAAAAAAAAAAAAFAAAADwAAAAAAAAAAAAAAAAAAAkUAAAAAQAAABQAAAAUAAAAFAAAAAEAAAAAAAAAZAAAAGQAAAAAAAAAZAAAAGQAAAAVAAAAYAAAAAAAAAAAAAAADwAAACADAAAAAAAAAAAAAAEAAACgMgAAVgcAAKr4//8BAAAAf39/AAEAAABkAAAAAAAAABQAAABAHwAAAAAAACYAAAAAAAAAwOD//wAAAAAmAAAAZAAAABYAAABMAAAAAAAAAAAAAAAEAAAAAAAAAAEAAACAgIAKAAAAACgAAAAoAAAAZAAAAGQAAAAAAAAAzMzMAAAAAABQAAAAUAAAAGQAAABkAAAAAAAAABcAAAAUAAAAAAAAAAAAAAD/fwAA/38AAAAAAAAJAAAABAAAAAAAAAAeAAAAaAAAAAAAAAAAAAAAAAAAAAAAAAAAAAAAECcAABAnAAAAAAAAAAAAAAAAAAAAAAAAAAAAAAAAAAAAAAAAAAAAABQAAAAAAAAAwMD/AAAAAABkAAAAMgAAAAAAAABkAAAAAAAAAH9/fwAKAAAAIgAAABgAAAAAAAAAAAAAAAAAAAAAAAAAAAAAAAAAAAAkAAAAJAAAAAAAAAAHAAAAAAAAAAAAAAAAAAAAAAAAAAAAAAAAAAAAf39/ACUAAABYAAAAAAAAAAAAAAAAAAAAAAAAAAAAAAAAAAAAAAAAAAAAAAAAAAAAAAAAAAAAAAA/AAAAAAAAAKCGAQAAAAAAAAAAAAAAAAAMAAAAAQAAAAAAAAAAAAAAAAAAAB8AAABUAAAAAAAABQAAAAEAAAAAAAAAAAAAAAAAAAAAAAAAAAAAAAAAAAAAAAAAAAAAAAJ/f38AAAAAA8zMzADAwP8Af39/AAAAAAAAAAAAAAAAAAAAAAAAAAAAIQAAABgAAAAUAAAAwAMAABsnAAA/FQAAWSkAABAAAAAmAAAACAAAAAAAAAAAAAAA"/>
+                <pr:smNativeData xmlns:pr="smNativeData" xmlns="smNativeData" val="SMDATA_15_msZJaRMAAAAlAAAAZAAAAA0AAAAAkAAAAEgAAACQAAAASAAAAAAAAAABAAAAAAAAAAEAAABQAAAAAAAAAAAA4D8AAAAAAADgPwAAAAAAAOA/AAAAAAAA4D8AAAAAAADgPwAAAAAAAOA/AAAAAAAA4D8AAAAAAADgPwAAAAAAAOA/AAAAAAAA4D8CAAAAjAAAAAAAAAAAAAAAu+DjDP///wgAAAAAAAAAAAAAAAAAAAAAAAAAAAAAAAAAAAAAZAAAAAEAAABAAAAAAAAAAAAAAAAAAAAAAAAAAAAAAAAAAAAAAAAAAAAAAAAAAAAAAAAAAAAAAAAAAAAAAAAAAAAAAAAAAAAAAAAAAAAAAAAAAAAAAAAAAAAAAAAAAAAAFAAAADwAAAAAAAAAAAAAAAAAAAkUAAAAAQAAABQAAAAUAAAAFAAAAAEAAAAAAAAAZAAAAGQAAAAAAAAAZAAAAGQAAAAVAAAAYAAAAAAAAAAAAAAADwAAACADAAAAAAAAAAAAAAEAAACgMgAAVgcAAKr4//8BAAAAf39/AAEAAABkAAAAAAAAABQAAABAHwAAAAAAACYAAAAAAAAAwOD//wAAAAAmAAAAZAAAABYAAABMAAAAAAAAAAAAAAAEAAAAAAAAAAEAAACAgIAKAAAAACgAAAAoAAAAZAAAAGQAAAAAAAAAzMzMAAAAAABQAAAAUAAAAGQAAABkAAAAAAAAABcAAAAUAAAAAAAAAAAAAAD/fwAA/38AAAAAAAAJAAAABAAAAAAAAAAeAAAAaAAAAAAAAAAAAAAAAAAAAAAAAAAAAAAAECcAABAnAAAAAAAAAAAAAAAAAAAAAAAAAAAAAAAAAAAAAAAAAAAAABQAAAAAAAAAwMD/AAAAAABkAAAAMgAAAAAAAABkAAAAAAAAAH9/fwAKAAAAIgAAABgAAAAAAAAAAAAAAAAAAAAAAAAAAAAAAAAAAAAkAAAAJAAAAAAAAAAHAAAAAAAAAAAAAAAAAAAAAAAAAAAAAAAAAAAAf39/ACUAAABYAAAAAAAAAAAAAAAAAAAAAAAAAAAAAAAAAAAAAAAAAAAAAAAAAAAAAAAAAAAAAAA/AAAAAAAAAKCGAQAAAAAAAAAAAAAAAAAMAAAAAQAAAAAAAAAAAAAAAAAAAB8AAABUAAAAAAAABQAAAAEAAAAAAAAAAAAAAAAAAAAAAAAAAAAAAAAAAAAAAAAAAAAAAAJ/f38AAAAAA8zMzADAwP8Af39/AAAAAAAAAAAAAAAAAAAAAAAAAAAAIQAAABgAAAAUAAAAwAMAABsnAAA/FQAAWSkAABAAAAAmAAAACAAAAAAAAAAAAAAA"/>
               </a:ext>
             </a:extLst>
           </p:cNvSpPr>
@@ -539,7 +541,7 @@
           <a:lstStyle/>
           <a:p>
             <a:pPr/>
-            <a:fld id="{1B0EDA13-5DF6-5B2C-B8B6-AB7994F84EFE}" type="datetime1">
+            <a:fld id="{0DCF472B-65E0-9AB1-AE77-93E4093958C6}" type="datetime1">
               <a:t>12/16/2025</a:t>
             </a:fld>
           </a:p>
@@ -552,7 +554,7 @@
             <a:spLocks noGrp="1" noChangeArrowheads="1"/>
             <a:extLst>
               <a:ext uri="smNativeData">
-                <pr:smNativeData xmlns:pr="smNativeData" xmlns="smNativeData" val="SMDATA_15_SSBGaRMAAAAlAAAAZAAAAA0AAAAAkAAAAEgAAACQAAAASAAAAAAAAAABAAAAAAAAAAEAAABQAAAAAAAAAAAA4D8AAAAAAADgPwAAAAAAAOA/AAAAAAAA4D8AAAAAAADgPwAAAAAAAOA/AAAAAAAA4D8AAAAAAADgPwAAAAAAAOA/AAAAAAAA4D8CAAAAjAAAAAAAAAAAAAAAu+DjDP///wgAAAAAAAAAAAAAAAAAAAAAAAAAAAAAAAAAAAAAZAAAAAEAAABAAAAAAAAAAAAAAAAAAAAAAAAAAAAAAAAAAAAAAAAAAAAAAAAAAAAAAAAAAAAAAAAAAAAAAAAAAAAAAAAAAAAAAAAAAAAAAAAAAAAAAAAAAAAAAAAAAAAAFAAAADwAAAAAAAAAAAAAAAAAAAkUAAAAAQAAABQAAAAUAAAAFAAAAAEAAAAAAAAAZAAAAGQAAAAAAAAAZAAAAGQAAAAVAAAAYAAAAAAAAAAAAAAADwAAACADAAAAAAAAAAAAAAEAAACgMgAAVgcAAKr4//8BAAAAf39/AAEAAABkAAAAAAAAABQAAABAHwAAAAAAACYAAAAAAAAAwOD//wAAAAAmAAAAZAAAABYAAABMAAAAAAAAAAAAAAAEAAAAAAAAAAEAAACAgIAKAAAAACgAAAAoAAAAZAAAAGQAAAAAAAAAzMzMAAAAAABQAAAAUAAAAGQAAABkAAAAAAAAABcAAAAUAAAAAAAAAAAAAAD/fwAA/38AAAAAAAAJAAAABAAAAAAAAAAeAAAAaAAAAAAAAAAAAAAAAAAAAAAAAAAAAAAAECcAABAnAAAAAAAAAAAAAAAAAAAAAAAAAAAAAAAAAAAAAAAAAAAAABQAAAAAAAAAwMD/AAAAAABkAAAAMgAAAAAAAABkAAAAAAAAAH9/fwAKAAAAIgAAABgAAAAAAAAAAAAAAAAAAAAAAAAAAAAAAAAAAAAkAAAAJAAAAAAAAAAHAAAAAAAAAAAAAAAAAAAAAAAAAAAAAAAAAAAAf39/ACUAAABYAAAAAAAAAAAAAAAAAAAAAAAAAAAAAAAAAAAAAAAAAAAAAAAAAAAAAAAAAAAAAAA/AAAAAAAAAKCGAQAAAAAAAAAAAAAAAAAMAAAAAQAAAAAAAAAAAAAAAAAAAB8AAABUAAAAAAAABQAAAAEAAAAAAAAAAAAAAAAAAAAAAAAAAAAAAAAAAAAAAAAAAAAAAAJ/f38AAAAAA8zMzADAwP8Af39/AAAAAAAAAAAAAAAAAAAAAAAAAAAAIQAAABgAAAAUAAAAoRkAABsnAABfMQAAWSkAABAAAAAmAAAACAAAAAAAAAAAAAAA"/>
+                <pr:smNativeData xmlns:pr="smNativeData" xmlns="smNativeData" val="SMDATA_15_msZJaRMAAAAlAAAAZAAAAA0AAAAAkAAAAEgAAACQAAAASAAAAAAAAAABAAAAAAAAAAEAAABQAAAAAAAAAAAA4D8AAAAAAADgPwAAAAAAAOA/AAAAAAAA4D8AAAAAAADgPwAAAAAAAOA/AAAAAAAA4D8AAAAAAADgPwAAAAAAAOA/AAAAAAAA4D8CAAAAjAAAAAAAAAAAAAAAu+DjDP///wgAAAAAAAAAAAAAAAAAAAAAAAAAAAAAAAAAAAAAZAAAAAEAAABAAAAAAAAAAAAAAAAAAAAAAAAAAAAAAAAAAAAAAAAAAAAAAAAAAAAAAAAAAAAAAAAAAAAAAAAAAAAAAAAAAAAAAAAAAAAAAAAAAAAAAAAAAAAAAAAAAAAAFAAAADwAAAAAAAAAAAAAAAAAAAkUAAAAAQAAABQAAAAUAAAAFAAAAAEAAAAAAAAAZAAAAGQAAAAAAAAAZAAAAGQAAAAVAAAAYAAAAAAAAAAAAAAADwAAACADAAAAAAAAAAAAAAEAAACgMgAAVgcAAKr4//8BAAAAf39/AAEAAABkAAAAAAAAABQAAABAHwAAAAAAACYAAAAAAAAAwOD//wAAAAAmAAAAZAAAABYAAABMAAAAAAAAAAAAAAAEAAAAAAAAAAEAAACAgIAKAAAAACgAAAAoAAAAZAAAAGQAAAAAAAAAzMzMAAAAAABQAAAAUAAAAGQAAABkAAAAAAAAABcAAAAUAAAAAAAAAAAAAAD/fwAA/38AAAAAAAAJAAAABAAAAAAAAAAeAAAAaAAAAAAAAAAAAAAAAAAAAAAAAAAAAAAAECcAABAnAAAAAAAAAAAAAAAAAAAAAAAAAAAAAAAAAAAAAAAAAAAAABQAAAAAAAAAwMD/AAAAAABkAAAAMgAAAAAAAABkAAAAAAAAAH9/fwAKAAAAIgAAABgAAAAAAAAAAAAAAAAAAAAAAAAAAAAAAAAAAAAkAAAAJAAAAAAAAAAHAAAAAAAAAAAAAAAAAAAAAAAAAAAAAAAAAAAAf39/ACUAAABYAAAAAAAAAAAAAAAAAAAAAAAAAAAAAAAAAAAAAAAAAAAAAAAAAAAAAAAAAAAAAAA/AAAAAAAAAKCGAQAAAAAAAAAAAAAAAAAMAAAAAQAAAAAAAAAAAAAAAAAAAB8AAABUAAAAAAAABQAAAAEAAAAAAAAAAAAAAAAAAAAAAAAAAAAAAAAAAAAAAAAAAAAAAAJ/f38AAAAAA8zMzADAwP8Af39/AAAAAAAAAAAAAAAAAAAAAAAAAAAAIQAAABgAAAAUAAAAoRkAABsnAABfMQAAWSkAABAAAAAmAAAACAAAAAAAAAAAAAAA"/>
               </a:ext>
             </a:extLst>
           </p:cNvSpPr>
@@ -576,7 +578,7 @@
             <a:spLocks noGrp="1" noChangeArrowheads="1"/>
             <a:extLst>
               <a:ext uri="smNativeData">
-                <pr:smNativeData xmlns:pr="smNativeData" xmlns="smNativeData" val="SMDATA_15_SSBGaRMAAAAlAAAAZAAAAA0AAAAAkAAAAEgAAACQAAAASAAAAAAAAAABAAAAAAAAAAEAAABQAAAAAAAAAAAA4D8AAAAAAADgPwAAAAAAAOA/AAAAAAAA4D8AAAAAAADgPwAAAAAAAOA/AAAAAAAA4D8AAAAAAADgPwAAAAAAAOA/AAAAAAAA4D8CAAAAjAAAAAAAAAAAAAAAu+DjDP///wgAAAAAAAAAAAAAAAAAAAAAAAAAAAAAAAAAAAAAZAAAAAEAAABAAAAAAAAAAAAAAAAAAAAAAAAAAAAAAAAAAAAAAAAAAAAAAAAAAAAAAAAAAAAAAAAAAAAAAAAAAAAAAAAAAAAAAAAAAAAAAAAAAAAAAAAAAAAAAAAAAAAAFAAAADwAAAAAAAAAAAAAAAAAAAkUAAAAAQAAABQAAAAUAAAAFAAAAAEAAAAAAAAAZAAAAGQAAAAAAAAAZAAAAGQAAAAVAAAAYAAAAAAAAAAAAAAADwAAACADAAAAAAAAAAAAAAEAAACgMgAAVgcAAKr4//8BAAAAf39/AAEAAABkAAAAAAAAABQAAABAHwAAAAAAACYAAAAAAAAAwOD//wAAAAAmAAAAZAAAABYAAABMAAAAAAAAAAAAAAAEAAAAAAAAAAEAAACAgIAKAAAAACgAAAAoAAAAZAAAAGQAAAAAAAAAzMzMAAAAAABQAAAAUAAAAGQAAABkAAAAAAAAABcAAAAUAAAAAAAAAAAAAAD/fwAA/38AAAAAAAAJAAAABAAAAAAAAAAeAAAAaAAAAAAAAAAAAAAAAAAAAAAAAAAAAAAAECcAABAnAAAAAAAAAAAAAAAAAAAAAAAAAAAAAAAAAAAAAAAAAAAAABQAAAAAAAAAwMD/AAAAAABkAAAAMgAAAAAAAABkAAAAAAAAAH9/fwAKAAAAIgAAABgAAAAAAAAAAAAAAAAAAAAAAAAAAAAAAAAAAAAkAAAAJAAAAAAAAAAHAAAAAAAAAAAAAAAAAAAAAAAAAAAAAAAAAAAAf39/ACUAAABYAAAAAAAAAAAAAAAAAAAAAAAAAAAAAAAAAAAAAAAAAAAAAAAAAAAAAAAAAAAAAAA/AAAAAAAAAKCGAQAAAAAAAAAAAAAAAAAMAAAAAQAAAAAAAAAAAAAAAAAAAB8AAABUAAAAAAAABQAAAAEAAAAAAAAAAAAAAAAAAAAAAAAAAAAAAAAAAAAAAAAAAAAAAAJ/f38AAAAAA8zMzADAwP8Af39/AAAAAAAAAAAAAAAAAAAAAAAAAAAAIQAAABgAAAAUAAAAwTUAABsnAABARwAAWSkAABAAAAAmAAAACAAAAAAAAAAAAAAA"/>
+                <pr:smNativeData xmlns:pr="smNativeData" xmlns="smNativeData" val="SMDATA_15_msZJaRMAAAAlAAAAZAAAAA0AAAAAkAAAAEgAAACQAAAASAAAAAAAAAABAAAAAAAAAAEAAABQAAAAAAAAAAAA4D8AAAAAAADgPwAAAAAAAOA/AAAAAAAA4D8AAAAAAADgPwAAAAAAAOA/AAAAAAAA4D8AAAAAAADgPwAAAAAAAOA/AAAAAAAA4D8CAAAAjAAAAAAAAAAAAAAAu+DjDP///wgAAAAAAAAAAAAAAAAAAAAAAAAAAAAAAAAAAAAAZAAAAAEAAABAAAAAAAAAAAAAAAAAAAAAAAAAAAAAAAAAAAAAAAAAAAAAAAAAAAAAAAAAAAAAAAAAAAAAAAAAAAAAAAAAAAAAAAAAAAAAAAAAAAAAAAAAAAAAAAAAAAAAFAAAADwAAAAAAAAAAAAAAAAAAAkUAAAAAQAAABQAAAAUAAAAFAAAAAEAAAAAAAAAZAAAAGQAAAAAAAAAZAAAAGQAAAAVAAAAYAAAAAAAAAAAAAAADwAAACADAAAAAAAAAAAAAAEAAACgMgAAVgcAAKr4//8BAAAAf39/AAEAAABkAAAAAAAAABQAAABAHwAAAAAAACYAAAAAAAAAwOD//wAAAAAmAAAAZAAAABYAAABMAAAAAAAAAAAAAAAEAAAAAAAAAAEAAACAgIAKAAAAACgAAAAoAAAAZAAAAGQAAAAAAAAAzMzMAAAAAABQAAAAUAAAAGQAAABkAAAAAAAAABcAAAAUAAAAAAAAAAAAAAD/fwAA/38AAAAAAAAJAAAABAAAAAAAAAAeAAAAaAAAAAAAAAAAAAAAAAAAAAAAAAAAAAAAECcAABAnAAAAAAAAAAAAAAAAAAAAAAAAAAAAAAAAAAAAAAAAAAAAABQAAAAAAAAAwMD/AAAAAABkAAAAMgAAAAAAAABkAAAAAAAAAH9/fwAKAAAAIgAAABgAAAAAAAAAAAAAAAAAAAAAAAAAAAAAAAAAAAAkAAAAJAAAAAAAAAAHAAAAAAAAAAAAAAAAAAAAAAAAAAAAAAAAAAAAf39/ACUAAABYAAAAAAAAAAAAAAAAAAAAAAAAAAAAAAAAAAAAAAAAAAAAAAAAAAAAAAAAAAAAAAA/AAAAAAAAAKCGAQAAAAAAAAAAAAAAAAAMAAAAAQAAAAAAAAAAAAAAAAAAAB8AAABUAAAAAAAABQAAAAEAAAAAAAAAAAAAAAAAAAAAAAAAAAAAAAAAAAAAAAAAAAAAAAJ/f38AAAAAA8zMzADAwP8Af39/AAAAAAAAAAAAAAAAAAAAAAAAAAAAIQAAABgAAAAUAAAAwTUAABsnAABARwAAWSkAABAAAAAmAAAACAAAAAAAAAAAAAAA"/>
               </a:ext>
             </a:extLst>
           </p:cNvSpPr>
@@ -590,7 +592,7 @@
           <a:lstStyle/>
           <a:p>
             <a:pPr/>
-            <a:fld id="{1B0E93E5-ABF6-5B65-B8B6-5D30DDF84E08}" type="slidenum">
+            <a:fld id="{0DCF184D-03E0-9AEE-AE77-F5BB563958A0}" type="slidenum">
               <a:t>‹#›</a:t>
             </a:fld>
           </a:p>
@@ -629,7 +631,7 @@
             <a:spLocks noGrp="1" noChangeArrowheads="1"/>
             <a:extLst>
               <a:ext uri="smNativeData">
-                <pr:smNativeData xmlns:pr="smNativeData" xmlns="smNativeData" val="SMDATA_15_SSBGaRMAAAAlAAAAZAAAAA0AAAAAkAAAAEgAAACQAAAASAAAAAAAAAACAAAAAQAAAAEAAABQAAAAAAAAAAAA4D8AAAAAAADgPwAAAAAAAOA/AAAAAAAA4D8AAAAAAADgPwAAAAAAAOA/AAAAAAAA4D8AAAAAAADgPwAAAAAAAOA/AAAAAAAA4D8CAAAAjAAAAAAAAAAAAAAAu+DjDP///wgAAAAAAAAAAAAAAAAAAAAAAAAAAAAAAAAAAAAAZAAAAAEAAABAAAAAAAAAAAAAAAAAAAAAAAAAAAAAAAAAAAAAAAAAAAAAAAAAAAAAAAAAAAAAAAAAAAAAAAAAAAAAAAAAAAAAAAAAAAAAAAAAAAAAAAAAAAAAAAAAAAAAFAAAADwAAAAAAAAAAAAAAAAAAAkUAAAAAQAAABQAAAAUAAAAFAAAAAEAAAAAAAAAZAAAAGQAAAAAAAAAZAAAAGQAAAAVAAAAYAAAAAAAAAAAAAAADwAAACADAAAAAAAAAAAAAAEAAACgMgAAVgcAAKr4//8BAAAAf39/AAEAAABkAAAAAAAAABQAAABAHwAAAAAAACYAAAAAAAAAwOD//wAAAAAmAAAAZAAAABYAAABMAAAAAAAAAAAAAAAEAAAAAAAAAAEAAACAgIAKAAAAACgAAAAoAAAAZAAAAGQAAAAAAAAAzMzMAAAAAABQAAAAUAAAAGQAAABkAAAAAAAAABcAAAAUAAAAAAAAAAAAAAD/fwAA/38AAAAAAAAJAAAABAAAAAAAAAAeAAAAaAAAAAAAAAAAAAAAAAAAAAAAAAAAAAAAECcAABAnAAAAAAAAAAAAAAAAAAAAAAAAAAAAAAAAAAAAAAAAAAAAABQAAAAAAAAAwMD/AAAAAABkAAAAMgAAAAAAAABkAAAAAAAAAH9/fwAKAAAAIgAAABgAAAAAAAAAAAAAAAAAAAAAAAAAAAAAAAAAAAAkAAAAJAAAAAAAAAAHAAAAAAAAAAAAAAAAAAAAAAAAAAAAAAAAAAAAf39/ACUAAABYAAAAAAAAAAAAAAAAAAAAAAAAAAAAAAAAAAAAAAAAAAAAAAAAAAAAAAAAAAAAAAA/AAAAAAAAAKCGAQAAAAAAAAAAAAAAAAAMAAAAAQAAAAAAAAAAAAAAAAAAAB8AAABUAAAAAAAABQAAAAEAAAAAAAAAAAAAAAAAAAAAAAAAAAAAAAAAAAAAAAAAAAAAAAJ/f38AAAAAA8zMzADAwP8Af39/AAAAAAAAAAAAAAAAAAAAAAAAAAAAIQAAABgAAAAUAAAAYDYAALABAABARwAAsCUAABAAAAAmAAAACAAAAIMQAAAAAAAA"/>
+                <pr:smNativeData xmlns:pr="smNativeData" xmlns="smNativeData" val="SMDATA_15_msZJaRMAAAAlAAAAZAAAAA0AAAAAkAAAAEgAAACQAAAASAAAAAAAAAACAAAAAQAAAAEAAABQAAAAAAAAAAAA4D8AAAAAAADgPwAAAAAAAOA/AAAAAAAA4D8AAAAAAADgPwAAAAAAAOA/AAAAAAAA4D8AAAAAAADgPwAAAAAAAOA/AAAAAAAA4D8CAAAAjAAAAAAAAAAAAAAAu+DjDP///wgAAAAAAAAAAAAAAAAAAAAAAAAAAAAAAAAAAAAAZAAAAAEAAABAAAAAAAAAAAAAAAAAAAAAAAAAAAAAAAAAAAAAAAAAAAAAAAAAAAAAAAAAAAAAAAAAAAAAAAAAAAAAAAAAAAAAAAAAAAAAAAAAAAAAAAAAAAAAAAAAAAAAFAAAADwAAAAAAAAAAAAAAAAAAAkUAAAAAQAAABQAAAAUAAAAFAAAAAEAAAAAAAAAZAAAAGQAAAAAAAAAZAAAAGQAAAAVAAAAYAAAAAAAAAAAAAAADwAAACADAAAAAAAAAAAAAAEAAACgMgAAVgcAAKr4//8BAAAAf39/AAEAAABkAAAAAAAAABQAAABAHwAAAAAAACYAAAAAAAAAwOD//wAAAAAmAAAAZAAAABYAAABMAAAAAAAAAAAAAAAEAAAAAAAAAAEAAACAgIAKAAAAACgAAAAoAAAAZAAAAGQAAAAAAAAAzMzMAAAAAABQAAAAUAAAAGQAAABkAAAAAAAAABcAAAAUAAAAAAAAAAAAAAD/fwAA/38AAAAAAAAJAAAABAAAAAAAAAAeAAAAaAAAAAAAAAAAAAAAAAAAAAAAAAAAAAAAECcAABAnAAAAAAAAAAAAAAAAAAAAAAAAAAAAAAAAAAAAAAAAAAAAABQAAAAAAAAAwMD/AAAAAABkAAAAMgAAAAAAAABkAAAAAAAAAH9/fwAKAAAAIgAAABgAAAAAAAAAAAAAAAAAAAAAAAAAAAAAAAAAAAAkAAAAJAAAAAAAAAAHAAAAAAAAAAAAAAAAAAAAAAAAAAAAAAAAAAAAf39/ACUAAABYAAAAAAAAAAAAAAAAAAAAAAAAAAAAAAAAAAAAAAAAAAAAAAAAAAAAAAAAAAAAAAA/AAAAAAAAAKCGAQAAAAAAAAAAAAAAAAAMAAAAAQAAAAAAAAAAAAAAAAAAAB8AAABUAAAAAAAABQAAAAEAAAAAAAAAAAAAAAAAAAAAAAAAAAAAAAAAAAAAAAAAAAAAAAJ/f38AAAAAA8zMzADAwP8Af39/AAAAAAAAAAAAAAAAAAAAAAAAAAAAIQAAABgAAAAUAAAAYDYAALABAABARwAAsCUAABAAAAAmAAAACAAAAIMQAAAAAAAA"/>
               </a:ext>
             </a:extLst>
           </p:cNvSpPr>
@@ -665,7 +667,7 @@
             <a:spLocks noGrp="1" noChangeArrowheads="1"/>
             <a:extLst>
               <a:ext uri="smNativeData">
-                <pr:smNativeData xmlns:pr="smNativeData" xmlns="smNativeData" val="SMDATA_15_SSBGaRMAAAAlAAAAZAAAAA0AAAAAkAAAAEgAAACQAAAASAAAAAAAAAAAAAAAAQAAAAEAAABQAAAAAAAAAAAA4D8AAAAAAADgPwAAAAAAAOA/AAAAAAAA4D8AAAAAAADgPwAAAAAAAOA/AAAAAAAA4D8AAAAAAADgPwAAAAAAAOA/AAAAAAAA4D8CAAAAjAAAAAAAAAAAAAAAu+DjDP///wgAAAAAAAAAAAAAAAAAAAAAAAAAAAAAAAAAAAAAZAAAAAEAAABAAAAAAAAAAAAAAAAAAAAAAAAAAAAAAAAAAAAAAAAAAAAAAAAAAAAAAAAAAAAAAAAAAAAAAAAAAAAAAAAAAAAAAAAAAAAAAAAAAAAAAAAAAAAAAAAAAAAAFAAAADwAAAAAAAAAAAAAAAAAAAkUAAAAAQAAABQAAAAUAAAAFAAAAAEAAAAAAAAAZAAAAGQAAAAAAAAAZAAAAGQAAAAVAAAAYAAAAAAAAAAAAAAADwAAACADAAAAAAAAAAAAAAEAAACgMgAAVgcAAKr4//8BAAAAf39/AAEAAABkAAAAAAAAABQAAABAHwAAAAAAACYAAAAAAAAAwOD//wAAAAAmAAAAZAAAABYAAABMAAAAAAAAAAAAAAAEAAAAAAAAAAEAAACAgIAKAAAAACgAAAAoAAAAZAAAAGQAAAAAAAAAzMzMAAAAAABQAAAAUAAAAGQAAABkAAAAAAAAABcAAAAUAAAAAAAAAAAAAAD/fwAA/38AAAAAAAAJAAAABAAAAAAAAAAeAAAAaAAAAAAAAAAAAAAAAAAAAAAAAAAAAAAAECcAABAnAAAAAAAAAAAAAAAAAAAAAAAAAAAAAAAAAAAAAAAAAAAAABQAAAAAAAAAwMD/AAAAAABkAAAAMgAAAAAAAABkAAAAAAAAAH9/fwAKAAAAIgAAABgAAAAAAAAAAAAAAAAAAAAAAAAAAAAAAAAAAAAkAAAAJAAAAAAAAAAHAAAAAAAAAAAAAAAAAAAAAAAAAAAAAAAAAAAAf39/ACUAAABYAAAAAAAAAAAAAAAAAAAAAAAAAAAAAAAAAAAAAAAAAAAAAAAAAAAAAAAAAAAAAAA/AAAAAAAAAKCGAQAAAAAAAAAAAAAAAAAMAAAAAQAAAAAAAAAAAAAAAAAAAB8AAABUAAAAAAAABQAAAAEAAAAAAAAAAAAAAAAAAAAAAAAAAAAAAAAAAAAAAAAAAAAAAAJ/f38AAAAAA8zMzADAwP8Af39/AAAAAAAAAAAAAAAAAAAAAAAAAAAAIQAAABgAAAAUAAAAwAMAALABAAAfNQAAsCUAABAAAAAmAAAACAAAAAMQAAAAAAAA"/>
+                <pr:smNativeData xmlns:pr="smNativeData" xmlns="smNativeData" val="SMDATA_15_msZJaRMAAAAlAAAAZAAAAA0AAAAAkAAAAEgAAACQAAAASAAAAAAAAAAAAAAAAQAAAAEAAABQAAAAAAAAAAAA4D8AAAAAAADgPwAAAAAAAOA/AAAAAAAA4D8AAAAAAADgPwAAAAAAAOA/AAAAAAAA4D8AAAAAAADgPwAAAAAAAOA/AAAAAAAA4D8CAAAAjAAAAAAAAAAAAAAAu+DjDP///wgAAAAAAAAAAAAAAAAAAAAAAAAAAAAAAAAAAAAAZAAAAAEAAABAAAAAAAAAAAAAAAAAAAAAAAAAAAAAAAAAAAAAAAAAAAAAAAAAAAAAAAAAAAAAAAAAAAAAAAAAAAAAAAAAAAAAAAAAAAAAAAAAAAAAAAAAAAAAAAAAAAAAFAAAADwAAAAAAAAAAAAAAAAAAAkUAAAAAQAAABQAAAAUAAAAFAAAAAEAAAAAAAAAZAAAAGQAAAAAAAAAZAAAAGQAAAAVAAAAYAAAAAAAAAAAAAAADwAAACADAAAAAAAAAAAAAAEAAACgMgAAVgcAAKr4//8BAAAAf39/AAEAAABkAAAAAAAAABQAAABAHwAAAAAAACYAAAAAAAAAwOD//wAAAAAmAAAAZAAAABYAAABMAAAAAAAAAAAAAAAEAAAAAAAAAAEAAACAgIAKAAAAACgAAAAoAAAAZAAAAGQAAAAAAAAAzMzMAAAAAABQAAAAUAAAAGQAAABkAAAAAAAAABcAAAAUAAAAAAAAAAAAAAD/fwAA/38AAAAAAAAJAAAABAAAAAAAAAAeAAAAaAAAAAAAAAAAAAAAAAAAAAAAAAAAAAAAECcAABAnAAAAAAAAAAAAAAAAAAAAAAAAAAAAAAAAAAAAAAAAAAAAABQAAAAAAAAAwMD/AAAAAABkAAAAMgAAAAAAAABkAAAAAAAAAH9/fwAKAAAAIgAAABgAAAAAAAAAAAAAAAAAAAAAAAAAAAAAAAAAAAAkAAAAJAAAAAAAAAAHAAAAAAAAAAAAAAAAAAAAAAAAAAAAAAAAAAAAf39/ACUAAABYAAAAAAAAAAAAAAAAAAAAAAAAAAAAAAAAAAAAAAAAAAAAAAAAAAAAAAAAAAAAAAA/AAAAAAAAAKCGAQAAAAAAAAAAAAAAAAAMAAAAAQAAAAAAAAAAAAAAAAAAAB8AAABUAAAAAAAABQAAAAEAAAAAAAAAAAAAAAAAAAAAAAAAAAAAAAAAAAAAAAAAAAAAAAJ/f38AAAAAA8zMzADAwP8Af39/AAAAAAAAAAAAAAAAAAAAAAAAAAAAIQAAABgAAAAUAAAAwAMAALABAAAfNQAAsCUAABAAAAAmAAAACAAAAAMQAAAAAAAA"/>
               </a:ext>
             </a:extLst>
           </p:cNvSpPr>
@@ -725,7 +727,7 @@
             <a:spLocks noGrp="1" noChangeArrowheads="1"/>
             <a:extLst>
               <a:ext uri="smNativeData">
-                <pr:smNativeData xmlns:pr="smNativeData" xmlns="smNativeData" val="SMDATA_15_SSBGaRMAAAAlAAAAZAAAAA0AAAAAkAAAAEgAAACQAAAASAAAAAAAAAABAAAAAAAAAAEAAABQAAAAAAAAAAAA4D8AAAAAAADgPwAAAAAAAOA/AAAAAAAA4D8AAAAAAADgPwAAAAAAAOA/AAAAAAAA4D8AAAAAAADgPwAAAAAAAOA/AAAAAAAA4D8CAAAAjAAAAAAAAAAAAAAAu+DjDP///wgAAAAAAAAAAAAAAAAAAAAAAAAAAAAAAAAAAAAAZAAAAAEAAABAAAAAAAAAAAAAAAAAAAAAAAAAAAAAAAAAAAAAAAAAAAAAAAAAAAAAAAAAAAAAAAAAAAAAAAAAAAAAAAAAAAAAAAAAAAAAAAAAAAAAAAAAAAAAAAAAAAAAFAAAADwAAAAAAAAAAAAAAAAAAAkUAAAAAQAAABQAAAAUAAAAFAAAAAEAAAAAAAAAZAAAAGQAAAAAAAAAZAAAAGQAAAAVAAAAYAAAAAAAAAAAAAAADwAAACADAAAAAAAAAAAAAAEAAACgMgAAVgcAAKr4//8BAAAAf39/AAEAAABkAAAAAAAAABQAAABAHwAAAAAAACYAAAAAAAAAwOD//wAAAAAmAAAAZAAAABYAAABMAAAAAAAAAAAAAAAEAAAAAAAAAAEAAACAgIAKAAAAACgAAAAoAAAAZAAAAGQAAAAAAAAAzMzMAAAAAABQAAAAUAAAAGQAAABkAAAAAAAAABcAAAAUAAAAAAAAAAAAAAD/fwAA/38AAAAAAAAJAAAABAAAAAAAAAAeAAAAaAAAAAAAAAAAAAAAAAAAAAAAAAAAAAAAECcAABAnAAAAAAAAAAAAAAAAAAAAAAAAAAAAAAAAAAAAAAAAAAAAABQAAAAAAAAAwMD/AAAAAABkAAAAMgAAAAAAAABkAAAAAAAAAH9/fwAKAAAAIgAAABgAAAAAAAAAAAAAAAAAAAAAAAAAAAAAAAAAAAAkAAAAJAAAAAAAAAAHAAAAAAAAAAAAAAAAAAAAAAAAAAAAAAAAAAAAf39/ACUAAABYAAAAAAAAAAAAAAAAAAAAAAAAAAAAAAAAAAAAAAAAAAAAAAAAAAAAAAAAAAAAAAA/AAAAAAAAAKCGAQAAAAAAAAAAAAAAAAAMAAAAAQAAAAAAAAAAAAAAAAAAAB8AAABUAAAAAAAABQAAAAEAAAAAAAAAAAAAAAAAAAAAAAAAAAAAAAAAAAAAAAAAAAAAAAJ/f38AAAAAA8zMzADAwP8Af39/AAAAAAAAAAAAAAAAAAAAAAAAAAAAIQAAABgAAAAUAAAAwAMAABsnAAA/FQAAWSkAABAAAAAmAAAACAAAAAAAAAAAAAAA"/>
+                <pr:smNativeData xmlns:pr="smNativeData" xmlns="smNativeData" val="SMDATA_15_msZJaRMAAAAlAAAAZAAAAA0AAAAAkAAAAEgAAACQAAAASAAAAAAAAAABAAAAAAAAAAEAAABQAAAAAAAAAAAA4D8AAAAAAADgPwAAAAAAAOA/AAAAAAAA4D8AAAAAAADgPwAAAAAAAOA/AAAAAAAA4D8AAAAAAADgPwAAAAAAAOA/AAAAAAAA4D8CAAAAjAAAAAAAAAAAAAAAu+DjDP///wgAAAAAAAAAAAAAAAAAAAAAAAAAAAAAAAAAAAAAZAAAAAEAAABAAAAAAAAAAAAAAAAAAAAAAAAAAAAAAAAAAAAAAAAAAAAAAAAAAAAAAAAAAAAAAAAAAAAAAAAAAAAAAAAAAAAAAAAAAAAAAAAAAAAAAAAAAAAAAAAAAAAAFAAAADwAAAAAAAAAAAAAAAAAAAkUAAAAAQAAABQAAAAUAAAAFAAAAAEAAAAAAAAAZAAAAGQAAAAAAAAAZAAAAGQAAAAVAAAAYAAAAAAAAAAAAAAADwAAACADAAAAAAAAAAAAAAEAAACgMgAAVgcAAKr4//8BAAAAf39/AAEAAABkAAAAAAAAABQAAABAHwAAAAAAACYAAAAAAAAAwOD//wAAAAAmAAAAZAAAABYAAABMAAAAAAAAAAAAAAAEAAAAAAAAAAEAAACAgIAKAAAAACgAAAAoAAAAZAAAAGQAAAAAAAAAzMzMAAAAAABQAAAAUAAAAGQAAABkAAAAAAAAABcAAAAUAAAAAAAAAAAAAAD/fwAA/38AAAAAAAAJAAAABAAAAAAAAAAeAAAAaAAAAAAAAAAAAAAAAAAAAAAAAAAAAAAAECcAABAnAAAAAAAAAAAAAAAAAAAAAAAAAAAAAAAAAAAAAAAAAAAAABQAAAAAAAAAwMD/AAAAAABkAAAAMgAAAAAAAABkAAAAAAAAAH9/fwAKAAAAIgAAABgAAAAAAAAAAAAAAAAAAAAAAAAAAAAAAAAAAAAkAAAAJAAAAAAAAAAHAAAAAAAAAAAAAAAAAAAAAAAAAAAAAAAAAAAAf39/ACUAAABYAAAAAAAAAAAAAAAAAAAAAAAAAAAAAAAAAAAAAAAAAAAAAAAAAAAAAAAAAAAAAAA/AAAAAAAAAKCGAQAAAAAAAAAAAAAAAAAMAAAAAQAAAAAAAAAAAAAAAAAAAB8AAABUAAAAAAAABQAAAAEAAAAAAAAAAAAAAAAAAAAAAAAAAAAAAAAAAAAAAAAAAAAAAAJ/f38AAAAAA8zMzADAwP8Af39/AAAAAAAAAAAAAAAAAAAAAAAAAAAAIQAAABgAAAAUAAAAwAMAABsnAAA/FQAAWSkAABAAAAAmAAAACAAAAAAAAAAAAAAA"/>
               </a:ext>
             </a:extLst>
           </p:cNvSpPr>
@@ -739,7 +741,7 @@
           <a:lstStyle/>
           <a:p>
             <a:pPr/>
-            <a:fld id="{1B0E85ED-A3F6-5B73-B8B6-5526CBF84E00}" type="datetime1">
+            <a:fld id="{0DCF4452-1CE0-9AB2-AE77-EAE70A3958BF}" type="datetime1">
               <a:t>12/16/2025</a:t>
             </a:fld>
           </a:p>
@@ -752,7 +754,7 @@
             <a:spLocks noGrp="1" noChangeArrowheads="1"/>
             <a:extLst>
               <a:ext uri="smNativeData">
-                <pr:smNativeData xmlns:pr="smNativeData" xmlns="smNativeData" val="SMDATA_15_SSBGaRMAAAAlAAAAZAAAAA0AAAAAkAAAAEgAAACQAAAASAAAAAAAAAABAAAAAAAAAAEAAABQAAAAAAAAAAAA4D8AAAAAAADgPwAAAAAAAOA/AAAAAAAA4D8AAAAAAADgPwAAAAAAAOA/AAAAAAAA4D8AAAAAAADgPwAAAAAAAOA/AAAAAAAA4D8CAAAAjAAAAAAAAAAAAAAAu+DjDP///wgAAAAAAAAAAAAAAAAAAAAAAAAAAAAAAAAAAAAAZAAAAAEAAABAAAAAAAAAAAAAAAAAAAAAAAAAAAAAAAAAAAAAAAAAAAAAAAAAAAAAAAAAAAAAAAAAAAAAAAAAAAAAAAAAAAAAAAAAAAAAAAAAAAAAAAAAAAAAAAAAAAAAFAAAADwAAAAAAAAAAAAAAAAAAAkUAAAAAQAAABQAAAAUAAAAFAAAAAEAAAAAAAAAZAAAAGQAAAAAAAAAZAAAAGQAAAAVAAAAYAAAAAAAAAAAAAAADwAAACADAAAAAAAAAAAAAAEAAACgMgAAVgcAAKr4//8BAAAAf39/AAEAAABkAAAAAAAAABQAAABAHwAAAAAAACYAAAAAAAAAwOD//wAAAAAmAAAAZAAAABYAAABMAAAAAAAAAAAAAAAEAAAAAAAAAAEAAACAgIAKAAAAACgAAAAoAAAAZAAAAGQAAAAAAAAAzMzMAAAAAABQAAAAUAAAAGQAAABkAAAAAAAAABcAAAAUAAAAAAAAAAAAAAD/fwAA/38AAAAAAAAJAAAABAAAAAAAAAAeAAAAaAAAAAAAAAAAAAAAAAAAAAAAAAAAAAAAECcAABAnAAAAAAAAAAAAAAAAAAAAAAAAAAAAAAAAAAAAAAAAAAAAABQAAAAAAAAAwMD/AAAAAABkAAAAMgAAAAAAAABkAAAAAAAAAH9/fwAKAAAAIgAAABgAAAAAAAAAAAAAAAAAAAAAAAAAAAAAAAAAAAAkAAAAJAAAAAAAAAAHAAAAAAAAAAAAAAAAAAAAAAAAAAAAAAAAAAAAf39/ACUAAABYAAAAAAAAAAAAAAAAAAAAAAAAAAAAAAAAAAAAAAAAAAAAAAAAAAAAAAAAAAAAAAA/AAAAAAAAAKCGAQAAAAAAAAAAAAAAAAAMAAAAAQAAAAAAAAAAAAAAAAAAAB8AAABUAAAAAAAABQAAAAEAAAAAAAAAAAAAAAAAAAAAAAAAAAAAAAAAAAAAAAAAAAAAAAJ/f38AAAAAA8zMzADAwP8Af39/AAAAAAAAAAAAAAAAAAAAAAAAAAAAIQAAABgAAAAUAAAAoRkAABsnAABfMQAAWSkAABAAAAAmAAAACAAAAAAAAAAAAAAA"/>
+                <pr:smNativeData xmlns:pr="smNativeData" xmlns="smNativeData" val="SMDATA_15_msZJaRMAAAAlAAAAZAAAAA0AAAAAkAAAAEgAAACQAAAASAAAAAAAAAABAAAAAAAAAAEAAABQAAAAAAAAAAAA4D8AAAAAAADgPwAAAAAAAOA/AAAAAAAA4D8AAAAAAADgPwAAAAAAAOA/AAAAAAAA4D8AAAAAAADgPwAAAAAAAOA/AAAAAAAA4D8CAAAAjAAAAAAAAAAAAAAAu+DjDP///wgAAAAAAAAAAAAAAAAAAAAAAAAAAAAAAAAAAAAAZAAAAAEAAABAAAAAAAAAAAAAAAAAAAAAAAAAAAAAAAAAAAAAAAAAAAAAAAAAAAAAAAAAAAAAAAAAAAAAAAAAAAAAAAAAAAAAAAAAAAAAAAAAAAAAAAAAAAAAAAAAAAAAFAAAADwAAAAAAAAAAAAAAAAAAAkUAAAAAQAAABQAAAAUAAAAFAAAAAEAAAAAAAAAZAAAAGQAAAAAAAAAZAAAAGQAAAAVAAAAYAAAAAAAAAAAAAAADwAAACADAAAAAAAAAAAAAAEAAACgMgAAVgcAAKr4//8BAAAAf39/AAEAAABkAAAAAAAAABQAAABAHwAAAAAAACYAAAAAAAAAwOD//wAAAAAmAAAAZAAAABYAAABMAAAAAAAAAAAAAAAEAAAAAAAAAAEAAACAgIAKAAAAACgAAAAoAAAAZAAAAGQAAAAAAAAAzMzMAAAAAABQAAAAUAAAAGQAAABkAAAAAAAAABcAAAAUAAAAAAAAAAAAAAD/fwAA/38AAAAAAAAJAAAABAAAAAAAAAAeAAAAaAAAAAAAAAAAAAAAAAAAAAAAAAAAAAAAECcAABAnAAAAAAAAAAAAAAAAAAAAAAAAAAAAAAAAAAAAAAAAAAAAABQAAAAAAAAAwMD/AAAAAABkAAAAMgAAAAAAAABkAAAAAAAAAH9/fwAKAAAAIgAAABgAAAAAAAAAAAAAAAAAAAAAAAAAAAAAAAAAAAAkAAAAJAAAAAAAAAAHAAAAAAAAAAAAAAAAAAAAAAAAAAAAAAAAAAAAf39/ACUAAABYAAAAAAAAAAAAAAAAAAAAAAAAAAAAAAAAAAAAAAAAAAAAAAAAAAAAAAAAAAAAAAA/AAAAAAAAAKCGAQAAAAAAAAAAAAAAAAAMAAAAAQAAAAAAAAAAAAAAAAAAAB8AAABUAAAAAAAABQAAAAEAAAAAAAAAAAAAAAAAAAAAAAAAAAAAAAAAAAAAAAAAAAAAAAJ/f38AAAAAA8zMzADAwP8Af39/AAAAAAAAAAAAAAAAAAAAAAAAAAAAIQAAABgAAAAUAAAAoRkAABsnAABfMQAAWSkAABAAAAAmAAAACAAAAAAAAAAAAAAA"/>
               </a:ext>
             </a:extLst>
           </p:cNvSpPr>
@@ -776,7 +778,7 @@
             <a:spLocks noGrp="1" noChangeArrowheads="1"/>
             <a:extLst>
               <a:ext uri="smNativeData">
-                <pr:smNativeData xmlns:pr="smNativeData" xmlns="smNativeData" val="SMDATA_15_SSBGaRMAAAAlAAAAZAAAAA0AAAAAkAAAAEgAAACQAAAASAAAAAAAAAABAAAAAAAAAAEAAABQAAAAAAAAAAAA4D8AAAAAAADgPwAAAAAAAOA/AAAAAAAA4D8AAAAAAADgPwAAAAAAAOA/AAAAAAAA4D8AAAAAAADgPwAAAAAAAOA/AAAAAAAA4D8CAAAAjAAAAAAAAAAAAAAAu+DjDP///wgAAAAAAAAAAAAAAAAAAAAAAAAAAAAAAAAAAAAAZAAAAAEAAABAAAAAAAAAAAAAAAAAAAAAAAAAAAAAAAAAAAAAAAAAAAAAAAAAAAAAAAAAAAAAAAAAAAAAAAAAAAAAAAAAAAAAAAAAAAAAAAAAAAAAAAAAAAAAAAAAAAAAFAAAADwAAAAAAAAAAAAAAAAAAAkUAAAAAQAAABQAAAAUAAAAFAAAAAEAAAAAAAAAZAAAAGQAAAAAAAAAZAAAAGQAAAAVAAAAYAAAAAAAAAAAAAAADwAAACADAAAAAAAAAAAAAAEAAACgMgAAVgcAAKr4//8BAAAAf39/AAEAAABkAAAAAAAAABQAAABAHwAAAAAAACYAAAAAAAAAwOD//wAAAAAmAAAAZAAAABYAAABMAAAAAAAAAAAAAAAEAAAAAAAAAAEAAACAgIAKAAAAACgAAAAoAAAAZAAAAGQAAAAAAAAAzMzMAAAAAABQAAAAUAAAAGQAAABkAAAAAAAAABcAAAAUAAAAAAAAAAAAAAD/fwAA/38AAAAAAAAJAAAABAAAAAAAAAAeAAAAaAAAAAAAAAAAAAAAAAAAAAAAAAAAAAAAECcAABAnAAAAAAAAAAAAAAAAAAAAAAAAAAAAAAAAAAAAAAAAAAAAABQAAAAAAAAAwMD/AAAAAABkAAAAMgAAAAAAAABkAAAAAAAAAH9/fwAKAAAAIgAAABgAAAAAAAAAAAAAAAAAAAAAAAAAAAAAAAAAAAAkAAAAJAAAAAAAAAAHAAAAAAAAAAAAAAAAAAAAAAAAAAAAAAAAAAAAf39/ACUAAABYAAAAAAAAAAAAAAAAAAAAAAAAAAAAAAAAAAAAAAAAAAAAAAAAAAAAAAAAAAAAAAA/AAAAAAAAAKCGAQAAAAAAAAAAAAAAAAAMAAAAAQAAAAAAAAAAAAAAAAAAAB8AAABUAAAAAAAABQAAAAEAAAAAAAAAAAAAAAAAAAAAAAAAAAAAAAAAAAAAAAAAAAAAAAJ/f38AAAAAA8zMzADAwP8Af39/AAAAAAAAAAAAAAAAAAAAAAAAAAAAIQAAABgAAAAUAAAAwTUAABsnAABARwAAWSkAABAAAAAmAAAACAAAAAAAAAAAAAAA"/>
+                <pr:smNativeData xmlns:pr="smNativeData" xmlns="smNativeData" val="SMDATA_15_msZJaRMAAAAlAAAAZAAAAA0AAAAAkAAAAEgAAACQAAAASAAAAAAAAAABAAAAAAAAAAEAAABQAAAAAAAAAAAA4D8AAAAAAADgPwAAAAAAAOA/AAAAAAAA4D8AAAAAAADgPwAAAAAAAOA/AAAAAAAA4D8AAAAAAADgPwAAAAAAAOA/AAAAAAAA4D8CAAAAjAAAAAAAAAAAAAAAu+DjDP///wgAAAAAAAAAAAAAAAAAAAAAAAAAAAAAAAAAAAAAZAAAAAEAAABAAAAAAAAAAAAAAAAAAAAAAAAAAAAAAAAAAAAAAAAAAAAAAAAAAAAAAAAAAAAAAAAAAAAAAAAAAAAAAAAAAAAAAAAAAAAAAAAAAAAAAAAAAAAAAAAAAAAAFAAAADwAAAAAAAAAAAAAAAAAAAkUAAAAAQAAABQAAAAUAAAAFAAAAAEAAAAAAAAAZAAAAGQAAAAAAAAAZAAAAGQAAAAVAAAAYAAAAAAAAAAAAAAADwAAACADAAAAAAAAAAAAAAEAAACgMgAAVgcAAKr4//8BAAAAf39/AAEAAABkAAAAAAAAABQAAABAHwAAAAAAACYAAAAAAAAAwOD//wAAAAAmAAAAZAAAABYAAABMAAAAAAAAAAAAAAAEAAAAAAAAAAEAAACAgIAKAAAAACgAAAAoAAAAZAAAAGQAAAAAAAAAzMzMAAAAAABQAAAAUAAAAGQAAABkAAAAAAAAABcAAAAUAAAAAAAAAAAAAAD/fwAA/38AAAAAAAAJAAAABAAAAAAAAAAeAAAAaAAAAAAAAAAAAAAAAAAAAAAAAAAAAAAAECcAABAnAAAAAAAAAAAAAAAAAAAAAAAAAAAAAAAAAAAAAAAAAAAAABQAAAAAAAAAwMD/AAAAAABkAAAAMgAAAAAAAABkAAAAAAAAAH9/fwAKAAAAIgAAABgAAAAAAAAAAAAAAAAAAAAAAAAAAAAAAAAAAAAkAAAAJAAAAAAAAAAHAAAAAAAAAAAAAAAAAAAAAAAAAAAAAAAAAAAAf39/ACUAAABYAAAAAAAAAAAAAAAAAAAAAAAAAAAAAAAAAAAAAAAAAAAAAAAAAAAAAAAAAAAAAAA/AAAAAAAAAKCGAQAAAAAAAAAAAAAAAAAMAAAAAQAAAAAAAAAAAAAAAAAAAB8AAABUAAAAAAAABQAAAAEAAAAAAAAAAAAAAAAAAAAAAAAAAAAAAAAAAAAAAAAAAAAAAAJ/f38AAAAAA8zMzADAwP8Af39/AAAAAAAAAAAAAAAAAAAAAAAAAAAAIQAAABgAAAAUAAAAwTUAABsnAABARwAAWSkAABAAAAAmAAAACAAAAAAAAAAAAAAA"/>
               </a:ext>
             </a:extLst>
           </p:cNvSpPr>
@@ -790,7 +792,7 @@
           <a:lstStyle/>
           <a:p>
             <a:pPr/>
-            <a:fld id="{1B0EA52F-61F6-5B53-B8B6-9706EBF84EC2}" type="slidenum">
+            <a:fld id="{0DCF0E15-5BE0-9AF8-AE77-ADAD403958F8}" type="slidenum">
               <a:t>‹#›</a:t>
             </a:fld>
           </a:p>
@@ -829,7 +831,7 @@
             <a:spLocks noGrp="1" noChangeArrowheads="1"/>
             <a:extLst>
               <a:ext uri="smNativeData">
-                <pr:smNativeData xmlns:pr="smNativeData" xmlns="smNativeData" val="SMDATA_15_SSBGaRMAAAAlAAAAZAAAAA0AAAAAkAAAAEgAAACQAAAASAAAAAAAAAABAAAAAAAAAAEAAABQAAAAAAAAAAAA4D8AAAAAAADgPwAAAAAAAOA/AAAAAAAA4D8AAAAAAADgPwAAAAAAAOA/AAAAAAAA4D8AAAAAAADgPwAAAAAAAOA/AAAAAAAA4D8CAAAAjAAAAAAAAAAAAAAAu+DjDP///wgAAAAAAAAAAAAAAAAAAAAAAAAAAAAAAAAAAAAAZAAAAAEAAABAAAAAAAAAAAAAAAAAAAAAAAAAAAAAAAAAAAAAAAAAAAAAAAAAAAAAAAAAAAAAAAAAAAAAAAAAAAAAAAAAAAAAAAAAAAAAAAAAAAAAAAAAAAAAAAAAAAAAFAAAADwAAAAAAAAAAAAAAAAAAAkUAAAAAQAAABQAAAAUAAAAFAAAAAEAAAAAAAAAZAAAAGQAAAAAAAAAZAAAAGQAAAAVAAAAYAAAAAAAAAAAAAAADwAAACADAAAAAAAAAAAAAAEAAACgMgAAVgcAAKr4//8BAAAAf39/AAEAAABkAAAAAAAAABQAAABAHwAAAAAAACYAAAAAAAAAwOD//wAAAAAmAAAAZAAAABYAAABMAAAAAAAAAAAAAAAEAAAAAAAAAAEAAACAgIAKAAAAACgAAAAoAAAAZAAAAGQAAAAAAAAAzMzMAAAAAABQAAAAUAAAAGQAAABkAAAAAAAAABcAAAAUAAAAAAAAAAAAAAD/fwAA/38AAAAAAAAJAAAABAAAAAQAAAAeAAAAaAAAAAAAAAAAAAAAAAAAAAAAAAAAAAAAECcAABAnAAAAAAAAAAAAAAAAAAAAAAAAAAAAAAAAAAAAAAAAAAAAABQAAAAAAAAAwMD/AAAAAABkAAAAMgAAAAAAAABkAAAAAAAAAH9/fwAKAAAAIgAAABgAAAAAAAAAAAAAAAAAAAAAAAAAAAAAAAAAAAAkAAAAJAAAAAAAAAAHAAAAAAAAAAAAAAAAAAAAAAAAAAAAAAAAAAAAf39/ACUAAABYAAAAAAAAAAAAAAAAAAAAAAAAAAAAAAAAAAAAAAAAAAAAAAAAAAAAAAAAAAAAAAA/AAAAAAAAAKCGAQAAAAAAAAAAAAAAAAAMAAAAAQAAAAAAAAAAAAAAAAAAAB8AAABUAAAAAAAABQAAAAEAAAAAAAAAAAAAAAAAAAAAAAAAAAAAAAAAAAAAAAAAAAAAAAJ/f38AAAAAA8zMzADAwP8Af39/AAAAAAAAAAAAAAAAAAAAAAAAAAAAIQAAABgAAAAUAAAAwAMAALABAABARwAAuAgAABAAAAAmAAAACAAAAAAAAAAAAAAA"/>
+                <pr:smNativeData xmlns:pr="smNativeData" xmlns="smNativeData" val="SMDATA_15_msZJaRMAAAAlAAAAZAAAAA0AAAAAkAAAAEgAAACQAAAASAAAAAAAAAABAAAAAAAAAAEAAABQAAAAAAAAAAAA4D8AAAAAAADgPwAAAAAAAOA/AAAAAAAA4D8AAAAAAADgPwAAAAAAAOA/AAAAAAAA4D8AAAAAAADgPwAAAAAAAOA/AAAAAAAA4D8CAAAAjAAAAAAAAAAAAAAAu+DjDP///wgAAAAAAAAAAAAAAAAAAAAAAAAAAAAAAAAAAAAAZAAAAAEAAABAAAAAAAAAAAAAAAAAAAAAAAAAAAAAAAAAAAAAAAAAAAAAAAAAAAAAAAAAAAAAAAAAAAAAAAAAAAAAAAAAAAAAAAAAAAAAAAAAAAAAAAAAAAAAAAAAAAAAFAAAADwAAAAAAAAAAAAAAAAAAAkUAAAAAQAAABQAAAAUAAAAFAAAAAEAAAAAAAAAZAAAAGQAAAAAAAAAZAAAAGQAAAAVAAAAYAAAAAAAAAAAAAAADwAAACADAAAAAAAAAAAAAAEAAACgMgAAVgcAAKr4//8BAAAAf39/AAEAAABkAAAAAAAAABQAAABAHwAAAAAAACYAAAAAAAAAwOD//wAAAAAmAAAAZAAAABYAAABMAAAAAAAAAAAAAAAEAAAAAAAAAAEAAACAgIAKAAAAACgAAAAoAAAAZAAAAGQAAAAAAAAAzMzMAAAAAABQAAAAUAAAAGQAAABkAAAAAAAAABcAAAAUAAAAAAAAAAAAAAD/fwAA/38AAAAAAAAJAAAABAAAAAQAAAAeAAAAaAAAAAAAAAAAAAAAAAAAAAAAAAAAAAAAECcAABAnAAAAAAAAAAAAAAAAAAAAAAAAAAAAAAAAAAAAAAAAAAAAABQAAAAAAAAAwMD/AAAAAABkAAAAMgAAAAAAAABkAAAAAAAAAH9/fwAKAAAAIgAAABgAAAAAAAAAAAAAAAAAAAAAAAAAAAAAAAAAAAAkAAAAJAAAAAAAAAAHAAAAAAAAAAAAAAAAAAAAAAAAAAAAAAAAAAAAf39/ACUAAABYAAAAAAAAAAAAAAAAAAAAAAAAAAAAAAAAAAAAAAAAAAAAAAAAAAAAAAAAAAAAAAA/AAAAAAAAAKCGAQAAAAAAAAAAAAAAAAAMAAAAAQAAAAAAAAAAAAAAAAAAAB8AAABUAAAAAAAABQAAAAEAAAAAAAAAAAAAAAAAAAAAAAAAAAAAAAAAAAAAAAAAAAAAAAJ/f38AAAAAA8zMzADAwP8Af39/AAAAAAAAAAAAAAAAAAAAAAAAAAAAIQAAABgAAAAUAAAAwAMAALABAABARwAAuAgAABAAAAAmAAAACAAAAAAAAAAAAAAA"/>
               </a:ext>
             </a:extLst>
           </p:cNvSpPr>
@@ -856,7 +858,7 @@
             <a:spLocks noGrp="1" noChangeArrowheads="1"/>
             <a:extLst>
               <a:ext uri="smNativeData">
-                <pr:smNativeData xmlns:pr="smNativeData" xmlns="smNativeData" val="SMDATA_15_SSBGaRMAAAAlAAAAZAAAAA0AAAAAkAAAAEgAAACQAAAASAAAAAAAAAAAAAAAAAAAAAEAAABQAAAAAAAAAAAA4D8AAAAAAADgPwAAAAAAAOA/AAAAAAAA4D8AAAAAAADgPwAAAAAAAOA/AAAAAAAA4D8AAAAAAADgPwAAAAAAAOA/AAAAAAAA4D8CAAAAjAAAAAAAAAAAAAAAu+DjDP///wgAAAAAAAAAAAAAAAAAAAAAAAAAAAAAAAAAAAAAZAAAAAEAAABAAAAAAAAAAAAAAAAAAAAAAAAAAAAAAAAAAAAAAAAAAAAAAAAAAAAAAAAAAAAAAAAAAAAAAAAAAAAAAAAAAAAAAAAAAAAAAAAAAAAAAAAAAAAAAAAAAAAAFAAAADwAAAAAAAAAAAAAAAAAAAkUAAAAAQAAABQAAAAUAAAAFAAAAAEAAAAAAAAAZAAAAGQAAAAAAAAAZAAAAGQAAAAVAAAAYAAAAAAAAAAAAAAADwAAACADAAAAAAAAAAAAAAEAAACgMgAAVgcAAKr4//8BAAAAf39/AAEAAABkAAAAAAAAABQAAABAHwAAAAAAACYAAAAAAAAAwOD//wAAAAAmAAAAZAAAABYAAABMAAAAAAAAAAAAAAAEAAAAAAAAAAEAAACAgIAKAAAAACgAAAAoAAAAZAAAAGQAAAAAAAAAzMzMAAAAAABQAAAAUAAAAGQAAABkAAAAAAAAABcAAAAUAAAAAAAAAAAAAAD/fwAA/38AAAAAAAAJAAAABAAAAMDcrwIeAAAAaAAAAAAAAAAAAAAAAAAAAAAAAAAAAAAAECcAABAnAAAAAAAAAAAAAAAAAAAAAAAAAAAAAAAAAAAAAAAAAAAAABQAAAAAAAAAwMD/AAAAAABkAAAAMgAAAAAAAABkAAAAAAAAAH9/fwAKAAAAIgAAABgAAAAAAAAAAAAAAAAAAAAAAAAAAAAAAAAAAAAkAAAAJAAAAAAAAAAHAAAAAAAAAAAAAAAAAAAAAAAAAAAAAAAAAAAAf39/ACUAAABYAAAAAAAAAAAAAAAAAAAAAAAAAAAAAAAAAAAAAAAAAAAAAAAAAAAAAAAAAAAAAAA/AAAAAAAAAKCGAQAAAAAAAAAAAAAAAAAMAAAAAQAAAAAAAAAAAAAAAAAAAB8AAABUAAAAAAAABQAAAAEAAAAAAAAAAAAAAAAAAAAAAAAAAAAAAAAAAAAAAAAAAAAAAAJ/f38AAAAAA8zMzADAwP8Af39/AAAAAAAAAAAAAAAAAAAAAAAAAAAAIQAAABgAAAAUAAAAwAMAANgJAABARwAAsCUAABAAAAAmAAAACAAAAAAAAAAAAAAA"/>
+                <pr:smNativeData xmlns:pr="smNativeData" xmlns="smNativeData" val="SMDATA_15_msZJaRMAAAAlAAAAZAAAAA0AAAAAkAAAAEgAAACQAAAASAAAAAAAAAAAAAAAAAAAAAEAAABQAAAAAAAAAAAA4D8AAAAAAADgPwAAAAAAAOA/AAAAAAAA4D8AAAAAAADgPwAAAAAAAOA/AAAAAAAA4D8AAAAAAADgPwAAAAAAAOA/AAAAAAAA4D8CAAAAjAAAAAAAAAAAAAAAu+DjDP///wgAAAAAAAAAAAAAAAAAAAAAAAAAAAAAAAAAAAAAZAAAAAEAAABAAAAAAAAAAAAAAAAAAAAAAAAAAAAAAAAAAAAAAAAAAAAAAAAAAAAAAAAAAAAAAAAAAAAAAAAAAAAAAAAAAAAAAAAAAAAAAAAAAAAAAAAAAAAAAAAAAAAAFAAAADwAAAAAAAAAAAAAAAAAAAkUAAAAAQAAABQAAAAUAAAAFAAAAAEAAAAAAAAAZAAAAGQAAAAAAAAAZAAAAGQAAAAVAAAAYAAAAAAAAAAAAAAADwAAACADAAAAAAAAAAAAAAEAAACgMgAAVgcAAKr4//8BAAAAf39/AAEAAABkAAAAAAAAABQAAABAHwAAAAAAACYAAAAAAAAAwOD//wAAAAAmAAAAZAAAABYAAABMAAAAAAAAAAAAAAAEAAAAAAAAAAEAAACAgIAKAAAAACgAAAAoAAAAZAAAAGQAAAAAAAAAzMzMAAAAAABQAAAAUAAAAGQAAABkAAAAAAAAABcAAAAUAAAAAAAAAAAAAAD/fwAA/38AAAAAAAAJAAAABAAAAMDcrwIeAAAAaAAAAAAAAAAAAAAAAAAAAAAAAAAAAAAAECcAABAnAAAAAAAAAAAAAAAAAAAAAAAAAAAAAAAAAAAAAAAAAAAAABQAAAAAAAAAwMD/AAAAAABkAAAAMgAAAAAAAABkAAAAAAAAAH9/fwAKAAAAIgAAABgAAAAAAAAAAAAAAAAAAAAAAAAAAAAAAAAAAAAkAAAAJAAAAAAAAAAHAAAAAAAAAAAAAAAAAAAAAAAAAAAAAAAAAAAAf39/ACUAAABYAAAAAAAAAAAAAAAAAAAAAAAAAAAAAAAAAAAAAAAAAAAAAAAAAAAAAAAAAAAAAAA/AAAAAAAAAKCGAQAAAAAAAAAAAAAAAAAMAAAAAQAAAAAAAAAAAAAAAAAAAB8AAABUAAAAAAAABQAAAAEAAAAAAAAAAAAAAAAAAAAAAAAAAAAAAAAAAAAAAAAAAAAAAAJ/f38AAAAAA8zMzADAwP8Af39/AAAAAAAAAAAAAAAAAAAAAAAAAAAAIQAAABgAAAAUAAAAwAMAANgJAABARwAAsCUAABAAAAAmAAAACAAAAAAAAAAAAAAA"/>
               </a:ext>
             </a:extLst>
           </p:cNvSpPr>
@@ -907,7 +909,7 @@
             <a:spLocks noGrp="1" noChangeArrowheads="1"/>
             <a:extLst>
               <a:ext uri="smNativeData">
-                <pr:smNativeData xmlns:pr="smNativeData" xmlns="smNativeData" val="SMDATA_15_SSBGaRMAAAAlAAAAZAAAAA0AAAAAkAAAAEgAAACQAAAASAAAAAAAAAABAAAAAAAAAAEAAABQAAAAAAAAAAAA4D8AAAAAAADgPwAAAAAAAOA/AAAAAAAA4D8AAAAAAADgPwAAAAAAAOA/AAAAAAAA4D8AAAAAAADgPwAAAAAAAOA/AAAAAAAA4D8CAAAAjAAAAAAAAAAAAAAAu+DjDP///wgAAAAAAAAAAAAAAAAAAAAAAAAAAAAAAAAAAAAAZAAAAAEAAABAAAAAAAAAAAAAAAAAAAAAAAAAAAAAAAAAAAAAAAAAAAAAAAAAAAAAAAAAAAAAAAAAAAAAAAAAAAAAAAAAAAAAAAAAAAAAAAAAAAAAAAAAAAAAAAAAAAAAFAAAADwAAAAAAAAAAAAAAAAAAAkUAAAAAQAAABQAAAAUAAAAFAAAAAEAAAAAAAAAZAAAAGQAAAAAAAAAZAAAAGQAAAAVAAAAYAAAAAAAAAAAAAAADwAAACADAAAAAAAAAAAAAAEAAACgMgAAVgcAAKr4//8BAAAAf39/AAEAAABkAAAAAAAAABQAAABAHwAAAAAAACYAAAAAAAAAwOD//wAAAAAmAAAAZAAAABYAAABMAAAAAAAAAAAAAAAEAAAAAAAAAAEAAACAgIAKAAAAACgAAAAoAAAAZAAAAGQAAAAAAAAAzMzMAAAAAABQAAAAUAAAAGQAAABkAAAAAAAAABcAAAAUAAAAAAAAAAAAAAD/fwAA/38AAAAAAAAJAAAABAAAAAAAAAAeAAAAaAAAAAAAAAAAAAAAAAAAAAAAAAAAAAAAECcAABAnAAAAAAAAAAAAAAAAAAAAAAAAAAAAAAAAAAAAAAAAAAAAABQAAAAAAAAAwMD/AAAAAABkAAAAMgAAAAAAAABkAAAAAAAAAH9/fwAKAAAAIgAAABgAAAAAAAAAAAAAAAAAAAAAAAAAAAAAAAAAAAAkAAAAJAAAAAAAAAAHAAAAAAAAAAAAAAAAAAAAAAAAAAAAAAAAAAAAf39/ACUAAABYAAAAAAAAAAAAAAAAAAAAAAAAAAAAAAAAAAAAAAAAAAAAAAAAAAAAAAAAAAAAAAA/AAAAAAAAAKCGAQAAAAAAAAAAAAAAAAAMAAAAAQAAAAAAAAAAAAAAAAAAAB8AAABUAAAAAAAABQAAAAEAAAAAAAAAAAAAAAAAAAAAAAAAAAAAAAAAAAAAAAAAAAAAAAJ/f38AAAAAA8zMzADAwP8Af39/AAAAAAAAAAAAAAAAAAAAAAAAAAAAIQAAABgAAAAUAAAAwAMAABsnAAA/FQAAWSkAABAAAAAmAAAACAAAAAAAAAAAAAAA"/>
+                <pr:smNativeData xmlns:pr="smNativeData" xmlns="smNativeData" val="SMDATA_15_msZJaRMAAAAlAAAAZAAAAA0AAAAAkAAAAEgAAACQAAAASAAAAAAAAAABAAAAAAAAAAEAAABQAAAAAAAAAAAA4D8AAAAAAADgPwAAAAAAAOA/AAAAAAAA4D8AAAAAAADgPwAAAAAAAOA/AAAAAAAA4D8AAAAAAADgPwAAAAAAAOA/AAAAAAAA4D8CAAAAjAAAAAAAAAAAAAAAu+DjDP///wgAAAAAAAAAAAAAAAAAAAAAAAAAAAAAAAAAAAAAZAAAAAEAAABAAAAAAAAAAAAAAAAAAAAAAAAAAAAAAAAAAAAAAAAAAAAAAAAAAAAAAAAAAAAAAAAAAAAAAAAAAAAAAAAAAAAAAAAAAAAAAAAAAAAAAAAAAAAAAAAAAAAAFAAAADwAAAAAAAAAAAAAAAAAAAkUAAAAAQAAABQAAAAUAAAAFAAAAAEAAAAAAAAAZAAAAGQAAAAAAAAAZAAAAGQAAAAVAAAAYAAAAAAAAAAAAAAADwAAACADAAAAAAAAAAAAAAEAAACgMgAAVgcAAKr4//8BAAAAf39/AAEAAABkAAAAAAAAABQAAABAHwAAAAAAACYAAAAAAAAAwOD//wAAAAAmAAAAZAAAABYAAABMAAAAAAAAAAAAAAAEAAAAAAAAAAEAAACAgIAKAAAAACgAAAAoAAAAZAAAAGQAAAAAAAAAzMzMAAAAAABQAAAAUAAAAGQAAABkAAAAAAAAABcAAAAUAAAAAAAAAAAAAAD/fwAA/38AAAAAAAAJAAAABAAAAAAAAAAeAAAAaAAAAAAAAAAAAAAAAAAAAAAAAAAAAAAAECcAABAnAAAAAAAAAAAAAAAAAAAAAAAAAAAAAAAAAAAAAAAAAAAAABQAAAAAAAAAwMD/AAAAAABkAAAAMgAAAAAAAABkAAAAAAAAAH9/fwAKAAAAIgAAABgAAAAAAAAAAAAAAAAAAAAAAAAAAAAAAAAAAAAkAAAAJAAAAAAAAAAHAAAAAAAAAAAAAAAAAAAAAAAAAAAAAAAAAAAAf39/ACUAAABYAAAAAAAAAAAAAAAAAAAAAAAAAAAAAAAAAAAAAAAAAAAAAAAAAAAAAAAAAAAAAAA/AAAAAAAAAKCGAQAAAAAAAAAAAAAAAAAMAAAAAQAAAAAAAAAAAAAAAAAAAB8AAABUAAAAAAAABQAAAAEAAAAAAAAAAAAAAAAAAAAAAAAAAAAAAAAAAAAAAAAAAAAAAAJ/f38AAAAAA8zMzADAwP8Af39/AAAAAAAAAAAAAAAAAAAAAAAAAAAAIQAAABgAAAAUAAAAwAMAABsnAAA/FQAAWSkAABAAAAAmAAAACAAAAAAAAAAAAAAA"/>
               </a:ext>
             </a:extLst>
           </p:cNvSpPr>
@@ -921,7 +923,7 @@
           <a:lstStyle/>
           <a:p>
             <a:pPr/>
-            <a:fld id="{1B0EE77A-34F6-5B11-B8B6-C244A9F84E97}" type="datetime1">
+            <a:fld id="{0DCF1DB5-FBE0-9AEB-AE77-0DBE53395858}" type="datetime1">
               <a:t/>
             </a:fld>
           </a:p>
@@ -934,7 +936,7 @@
             <a:spLocks noGrp="1" noChangeArrowheads="1"/>
             <a:extLst>
               <a:ext uri="smNativeData">
-                <pr:smNativeData xmlns:pr="smNativeData" xmlns="smNativeData" val="SMDATA_15_SSBGaRMAAAAlAAAAZAAAAA0AAAAAkAAAAEgAAACQAAAASAAAAAAAAAABAAAAAAAAAAEAAABQAAAAAAAAAAAA4D8AAAAAAADgPwAAAAAAAOA/AAAAAAAA4D8AAAAAAADgPwAAAAAAAOA/AAAAAAAA4D8AAAAAAADgPwAAAAAAAOA/AAAAAAAA4D8CAAAAjAAAAAAAAAAAAAAAu+DjDP///wgAAAAAAAAAAAAAAAAAAAAAAAAAAAAAAAAAAAAAZAAAAAEAAABAAAAAAAAAAAAAAAAAAAAAAAAAAAAAAAAAAAAAAAAAAAAAAAAAAAAAAAAAAAAAAAAAAAAAAAAAAAAAAAAAAAAAAAAAAAAAAAAAAAAAAAAAAAAAAAAAAAAAFAAAADwAAAAAAAAAAAAAAAAAAAkUAAAAAQAAABQAAAAUAAAAFAAAAAEAAAAAAAAAZAAAAGQAAAAAAAAAZAAAAGQAAAAVAAAAYAAAAAAAAAAAAAAADwAAACADAAAAAAAAAAAAAAEAAACgMgAAVgcAAKr4//8BAAAAf39/AAEAAABkAAAAAAAAABQAAABAHwAAAAAAACYAAAAAAAAAwOD//wAAAAAmAAAAZAAAABYAAABMAAAAAAAAAAAAAAAEAAAAAAAAAAEAAACAgIAKAAAAACgAAAAoAAAAZAAAAGQAAAAAAAAAzMzMAAAAAABQAAAAUAAAAGQAAABkAAAAAAAAABcAAAAUAAAAAAAAAAAAAAD/fwAA/38AAAAAAAAJAAAABAAAAAAAAAAeAAAAaAAAAAAAAAAAAAAAAAAAAAAAAAAAAAAAECcAABAnAAAAAAAAAAAAAAAAAAAAAAAAAAAAAAAAAAAAAAAAAAAAABQAAAAAAAAAwMD/AAAAAABkAAAAMgAAAAAAAABkAAAAAAAAAH9/fwAKAAAAIgAAABgAAAAAAAAAAAAAAAAAAAAAAAAAAAAAAAAAAAAkAAAAJAAAAAAAAAAHAAAAAAAAAAAAAAAAAAAAAAAAAAAAAAAAAAAAf39/ACUAAABYAAAAAAAAAAAAAAAAAAAAAAAAAAAAAAAAAAAAAAAAAAAAAAAAAAAAAAAAAAAAAAA/AAAAAAAAAKCGAQAAAAAAAAAAAAAAAAAMAAAAAQAAAAAAAAAAAAAAAAAAAB8AAABUAAAAAAAABQAAAAEAAAAAAAAAAAAAAAAAAAAAAAAAAAAAAAAAAAAAAAAAAAAAAAJ/f38AAAAAA8zMzADAwP8Af39/AAAAAAAAAAAAAAAAAAAAAAAAAAAAIQAAABgAAAAUAAAAoRkAABsnAABfMQAAWSkAABAAAAAmAAAACAAAAAAAAAAAAAAA"/>
+                <pr:smNativeData xmlns:pr="smNativeData" xmlns="smNativeData" val="SMDATA_15_msZJaRMAAAAlAAAAZAAAAA0AAAAAkAAAAEgAAACQAAAASAAAAAAAAAABAAAAAAAAAAEAAABQAAAAAAAAAAAA4D8AAAAAAADgPwAAAAAAAOA/AAAAAAAA4D8AAAAAAADgPwAAAAAAAOA/AAAAAAAA4D8AAAAAAADgPwAAAAAAAOA/AAAAAAAA4D8CAAAAjAAAAAAAAAAAAAAAu+DjDP///wgAAAAAAAAAAAAAAAAAAAAAAAAAAAAAAAAAAAAAZAAAAAEAAABAAAAAAAAAAAAAAAAAAAAAAAAAAAAAAAAAAAAAAAAAAAAAAAAAAAAAAAAAAAAAAAAAAAAAAAAAAAAAAAAAAAAAAAAAAAAAAAAAAAAAAAAAAAAAAAAAAAAAFAAAADwAAAAAAAAAAAAAAAAAAAkUAAAAAQAAABQAAAAUAAAAFAAAAAEAAAAAAAAAZAAAAGQAAAAAAAAAZAAAAGQAAAAVAAAAYAAAAAAAAAAAAAAADwAAACADAAAAAAAAAAAAAAEAAACgMgAAVgcAAKr4//8BAAAAf39/AAEAAABkAAAAAAAAABQAAABAHwAAAAAAACYAAAAAAAAAwOD//wAAAAAmAAAAZAAAABYAAABMAAAAAAAAAAAAAAAEAAAAAAAAAAEAAACAgIAKAAAAACgAAAAoAAAAZAAAAGQAAAAAAAAAzMzMAAAAAABQAAAAUAAAAGQAAABkAAAAAAAAABcAAAAUAAAAAAAAAAAAAAD/fwAA/38AAAAAAAAJAAAABAAAAAAAAAAeAAAAaAAAAAAAAAAAAAAAAAAAAAAAAAAAAAAAECcAABAnAAAAAAAAAAAAAAAAAAAAAAAAAAAAAAAAAAAAAAAAAAAAABQAAAAAAAAAwMD/AAAAAABkAAAAMgAAAAAAAABkAAAAAAAAAH9/fwAKAAAAIgAAABgAAAAAAAAAAAAAAAAAAAAAAAAAAAAAAAAAAAAkAAAAJAAAAAAAAAAHAAAAAAAAAAAAAAAAAAAAAAAAAAAAAAAAAAAAf39/ACUAAABYAAAAAAAAAAAAAAAAAAAAAAAAAAAAAAAAAAAAAAAAAAAAAAAAAAAAAAAAAAAAAAA/AAAAAAAAAKCGAQAAAAAAAAAAAAAAAAAMAAAAAQAAAAAAAAAAAAAAAAAAAB8AAABUAAAAAAAABQAAAAEAAAAAAAAAAAAAAAAAAAAAAAAAAAAAAAAAAAAAAAAAAAAAAAJ/f38AAAAAA8zMzADAwP8Af39/AAAAAAAAAAAAAAAAAAAAAAAAAAAAIQAAABgAAAAUAAAAoRkAABsnAABfMQAAWSkAABAAAAAmAAAACAAAAAAAAAAAAAAA"/>
               </a:ext>
             </a:extLst>
           </p:cNvSpPr>
@@ -958,7 +960,7 @@
             <a:spLocks noGrp="1" noChangeArrowheads="1"/>
             <a:extLst>
               <a:ext uri="smNativeData">
-                <pr:smNativeData xmlns:pr="smNativeData" xmlns="smNativeData" val="SMDATA_15_SSBGaRMAAAAlAAAAZAAAAA0AAAAAkAAAAEgAAACQAAAASAAAAAAAAAABAAAAAAAAAAEAAABQAAAAAAAAAAAA4D8AAAAAAADgPwAAAAAAAOA/AAAAAAAA4D8AAAAAAADgPwAAAAAAAOA/AAAAAAAA4D8AAAAAAADgPwAAAAAAAOA/AAAAAAAA4D8CAAAAjAAAAAAAAAAAAAAAu+DjDP///wgAAAAAAAAAAAAAAAAAAAAAAAAAAAAAAAAAAAAAZAAAAAEAAABAAAAAAAAAAAAAAAAAAAAAAAAAAAAAAAAAAAAAAAAAAAAAAAAAAAAAAAAAAAAAAAAAAAAAAAAAAAAAAAAAAAAAAAAAAAAAAAAAAAAAAAAAAAAAAAAAAAAAFAAAADwAAAAAAAAAAAAAAAAAAAkUAAAAAQAAABQAAAAUAAAAFAAAAAEAAAAAAAAAZAAAAGQAAAAAAAAAZAAAAGQAAAAVAAAAYAAAAAAAAAAAAAAADwAAACADAAAAAAAAAAAAAAEAAACgMgAAVgcAAKr4//8BAAAAf39/AAEAAABkAAAAAAAAABQAAABAHwAAAAAAACYAAAAAAAAAwOD//wAAAAAmAAAAZAAAABYAAABMAAAAAAAAAAAAAAAEAAAAAAAAAAEAAACAgIAKAAAAACgAAAAoAAAAZAAAAGQAAAAAAAAAzMzMAAAAAABQAAAAUAAAAGQAAABkAAAAAAAAABcAAAAUAAAAAAAAAAAAAAD/fwAA/38AAAAAAAAJAAAABAAAAAAAAAAeAAAAaAAAAAAAAAAAAAAAAAAAAAAAAAAAAAAAECcAABAnAAAAAAAAAAAAAAAAAAAAAAAAAAAAAAAAAAAAAAAAAAAAABQAAAAAAAAAwMD/AAAAAABkAAAAMgAAAAAAAABkAAAAAAAAAH9/fwAKAAAAIgAAABgAAAAAAAAAAAAAAAAAAAAAAAAAAAAAAAAAAAAkAAAAJAAAAAAAAAAHAAAAAAAAAAAAAAAAAAAAAAAAAAAAAAAAAAAAf39/ACUAAABYAAAAAAAAAAAAAAAAAAAAAAAAAAAAAAAAAAAAAAAAAAAAAAAAAAAAAAAAAAAAAAA/AAAAAAAAAKCGAQAAAAAAAAAAAAAAAAAMAAAAAQAAAAAAAAAAAAAAAAAAAB8AAABUAAAAAAAABQAAAAEAAAAAAAAAAAAAAAAAAAAAAAAAAAAAAAAAAAAAAAAAAAAAAAJ/f38AAAAAA8zMzADAwP8Af39/AAAAAAAAAAAAAAAAAAAAAAAAAAAAIQAAABgAAAAUAAAAwTUAABsnAABARwAAWSkAABAAAAAmAAAACAAAAAAAAAAAAAAA"/>
+                <pr:smNativeData xmlns:pr="smNativeData" xmlns="smNativeData" val="SMDATA_15_msZJaRMAAAAlAAAAZAAAAA0AAAAAkAAAAEgAAACQAAAASAAAAAAAAAABAAAAAAAAAAEAAABQAAAAAAAAAAAA4D8AAAAAAADgPwAAAAAAAOA/AAAAAAAA4D8AAAAAAADgPwAAAAAAAOA/AAAAAAAA4D8AAAAAAADgPwAAAAAAAOA/AAAAAAAA4D8CAAAAjAAAAAAAAAAAAAAAu+DjDP///wgAAAAAAAAAAAAAAAAAAAAAAAAAAAAAAAAAAAAAZAAAAAEAAABAAAAAAAAAAAAAAAAAAAAAAAAAAAAAAAAAAAAAAAAAAAAAAAAAAAAAAAAAAAAAAAAAAAAAAAAAAAAAAAAAAAAAAAAAAAAAAAAAAAAAAAAAAAAAAAAAAAAAFAAAADwAAAAAAAAAAAAAAAAAAAkUAAAAAQAAABQAAAAUAAAAFAAAAAEAAAAAAAAAZAAAAGQAAAAAAAAAZAAAAGQAAAAVAAAAYAAAAAAAAAAAAAAADwAAACADAAAAAAAAAAAAAAEAAACgMgAAVgcAAKr4//8BAAAAf39/AAEAAABkAAAAAAAAABQAAABAHwAAAAAAACYAAAAAAAAAwOD//wAAAAAmAAAAZAAAABYAAABMAAAAAAAAAAAAAAAEAAAAAAAAAAEAAACAgIAKAAAAACgAAAAoAAAAZAAAAGQAAAAAAAAAzMzMAAAAAABQAAAAUAAAAGQAAABkAAAAAAAAABcAAAAUAAAAAAAAAAAAAAD/fwAA/38AAAAAAAAJAAAABAAAAAAAAAAeAAAAaAAAAAAAAAAAAAAAAAAAAAAAAAAAAAAAECcAABAnAAAAAAAAAAAAAAAAAAAAAAAAAAAAAAAAAAAAAAAAAAAAABQAAAAAAAAAwMD/AAAAAABkAAAAMgAAAAAAAABkAAAAAAAAAH9/fwAKAAAAIgAAABgAAAAAAAAAAAAAAAAAAAAAAAAAAAAAAAAAAAAkAAAAJAAAAAAAAAAHAAAAAAAAAAAAAAAAAAAAAAAAAAAAAAAAAAAAf39/ACUAAABYAAAAAAAAAAAAAAAAAAAAAAAAAAAAAAAAAAAAAAAAAAAAAAAAAAAAAAAAAAAAAAA/AAAAAAAAAKCGAQAAAAAAAAAAAAAAAAAMAAAAAQAAAAAAAAAAAAAAAAAAAB8AAABUAAAAAAAABQAAAAEAAAAAAAAAAAAAAAAAAAAAAAAAAAAAAAAAAAAAAAAAAAAAAAJ/f38AAAAAA8zMzADAwP8Af39/AAAAAAAAAAAAAAAAAAAAAAAAAAAAIQAAABgAAAAUAAAAwTUAABsnAABARwAAWSkAABAAAAAmAAAACAAAAAAAAAAAAAAA"/>
               </a:ext>
             </a:extLst>
           </p:cNvSpPr>
@@ -972,7 +974,7 @@
           <a:lstStyle/>
           <a:p>
             <a:pPr/>
-            <a:fld id="{1B0EAF58-16F6-5B59-B8B6-E00CE1F84EB5}" type="slidenum">
+            <a:fld id="{0DCF7BBF-F1E0-9A8D-AE77-07D835395852}" type="slidenum">
               <a:t/>
             </a:fld>
           </a:p>
@@ -1011,7 +1013,7 @@
             <a:spLocks noGrp="1" noChangeArrowheads="1"/>
             <a:extLst>
               <a:ext uri="smNativeData">
-                <pr:smNativeData xmlns:pr="smNativeData" xmlns="smNativeData" val="SMDATA_15_SSBGaRMAAAAlAAAAZAAAAA0AAAAAkAAAAEgAAACQAAAASAAAAAAAAAAAAAAAAAAAAAEAAABQAAAAAAAAAAAA4D8AAAAAAADgPwAAAAAAAOA/AAAAAAAA4D8AAAAAAADgPwAAAAAAAOA/AAAAAAAA4D8AAAAAAADgPwAAAAAAAOA/AAAAAAAA4D8CAAAAjAAAAAAAAAAAAAAAu+DjDP///wgAAAAAAAAAAAAAAAAAAAAAAAAAAAAAAAAAAAAAZAAAAAEAAABAAAAAAAAAAAAAAAAAAAAAAAAAAAAAAAAAAAAAAAAAAAAAAAAAAAAAAAAAAAAAAAAAAAAAAAAAAAAAAAAAAAAAAAAAAAAAAAAAAAAAAAAAAAAAAAAAAAAAFAAAADwAAAAAAAAAAAAAAAAAAAkUAAAAAQAAABQAAAAUAAAAFAAAAAEAAAAAAAAAZAAAAGQAAAAAAAAAZAAAAGQAAAAVAAAAYAAAAAAAAAAAAAAADwAAACADAAAAAAAAAAAAAAEAAACgMgAAVgcAAKr4//8BAAAAf39/AAEAAABkAAAAAAAAABQAAABAHwAAAAAAACYAAAAAAAAAwOD//wAAAAAmAAAAZAAAABYAAABMAAAAAAAAAAAAAAAEAAAAAAAAAAEAAACAgIAKAAAAACgAAAAoAAAAZAAAAGQAAAAAAAAAzMzMAAAAAABQAAAAUAAAAGQAAABkAAAAAAAAABcAAAAUAAAAAAAAAAAAAAD/fwAA/38AAAAAAAAJAAAABAAAAAAAAAAeAAAAaAAAAAAAAAAAAAAAAAAAAAAAAAAAAAAAECcAABAnAAAAAAAAAAAAAAAAAAAAAAAAAAAAAAAAAAAAAAAAAAAAABQAAAAAAAAAwMD/AAAAAABkAAAAMgAAAAAAAABkAAAAAAAAAH9/fwAKAAAAIgAAABgAAAAAAAAAAAAAAAAAAAAAAAAAAAAAAAAAAAAkAAAAJAAAAAAAAAAHAAAAAAAAAAAAAAAAAAAAAAAAAAAAAAAAAAAAf39/ACUAAABYAAAAAAAAAAAAAAAAAAAAAAAAAAAAAAAAAAAAAAAAAAAAAAAAAAAAAAAAAAAAAAA/AAAAAAAAAKCGAQAAAAAAAAAAAAAAAAAMAAAAAQAAAAAAAAAAAAAAAAAAAB8AAABUAAAAAAAABQAAAAEAAAAAAAAAAAAAAAAAAAAAAAAAAAAAAAAAAAAAAAAAAAAAAAJ/f38AAAAAA8zMzADAwP8Af39/AAAAAAAAAAAAAAAAAAAAAAAAAAAAIQAAABgAAAAUAAAA7QUAABwbAACtRQAAfSMAABAAAAAmAAAACAAAAIGQAAAAAAAA"/>
+                <pr:smNativeData xmlns:pr="smNativeData" xmlns="smNativeData" val="SMDATA_15_msZJaRMAAAAlAAAAZAAAAA0AAAAAkAAAAEgAAACQAAAASAAAAAAAAAAAAAAAAAAAAAEAAABQAAAAAAAAAAAA4D8AAAAAAADgPwAAAAAAAOA/AAAAAAAA4D8AAAAAAADgPwAAAAAAAOA/AAAAAAAA4D8AAAAAAADgPwAAAAAAAOA/AAAAAAAA4D8CAAAAjAAAAAAAAAAAAAAAu+DjDP///wgAAAAAAAAAAAAAAAAAAAAAAAAAAAAAAAAAAAAAZAAAAAEAAABAAAAAAAAAAAAAAAAAAAAAAAAAAAAAAAAAAAAAAAAAAAAAAAAAAAAAAAAAAAAAAAAAAAAAAAAAAAAAAAAAAAAAAAAAAAAAAAAAAAAAAAAAAAAAAAAAAAAAFAAAADwAAAAAAAAAAAAAAAAAAAkUAAAAAQAAABQAAAAUAAAAFAAAAAEAAAAAAAAAZAAAAGQAAAAAAAAAZAAAAGQAAAAVAAAAYAAAAAAAAAAAAAAADwAAACADAAAAAAAAAAAAAAEAAACgMgAAVgcAAKr4//8BAAAAf39/AAEAAABkAAAAAAAAABQAAABAHwAAAAAAACYAAAAAAAAAwOD//wAAAAAmAAAAZAAAABYAAABMAAAAAAAAAAAAAAAEAAAAAAAAAAEAAACAgIAKAAAAACgAAAAoAAAAZAAAAGQAAAAAAAAAzMzMAAAAAABQAAAAUAAAAGQAAABkAAAAAAAAABcAAAAUAAAAAAAAAAAAAAD/fwAA/38AAAAAAAAJAAAABAAAAAAAAAAeAAAAaAAAAAAAAAAAAAAAAAAAAAAAAAAAAAAAECcAABAnAAAAAAAAAAAAAAAAAAAAAAAAAAAAAAAAAAAAAAAAAAAAABQAAAAAAAAAwMD/AAAAAABkAAAAMgAAAAAAAABkAAAAAAAAAH9/fwAKAAAAIgAAABgAAAAAAAAAAAAAAAAAAAAAAAAAAAAAAAAAAAAkAAAAJAAAAAAAAAAHAAAAAAAAAAAAAAAAAAAAAAAAAAAAAAAAAAAAf39/ACUAAABYAAAAAAAAAAAAAAAAAAAAAAAAAAAAAAAAAAAAAAAAAAAAAAAAAAAAAAAAAAAAAAA/AAAAAAAAAKCGAQAAAAAAAAAAAAAAAAAMAAAAAQAAAAAAAAAAAAAAAAAAAB8AAABUAAAAAAAABQAAAAEAAAAAAAAAAAAAAAAAAAAAAAAAAAAAAAAAAAAAAAAAAAAAAAJ/f38AAAAAA8zMzADAwP8Af39/AAAAAAAAAAAAAAAAAAAAAAAAAAAAIQAAABgAAAAUAAAA7QUAABwbAACtRQAAfSMAABAAAAAmAAAACAAAAIGQAAAAAAAA"/>
               </a:ext>
             </a:extLst>
           </p:cNvSpPr>
@@ -1051,7 +1053,7 @@
             <a:spLocks noGrp="1" noChangeArrowheads="1"/>
             <a:extLst>
               <a:ext uri="smNativeData">
-                <pr:smNativeData xmlns:pr="smNativeData" xmlns="smNativeData" val="SMDATA_15_SSBGaRMAAAAlAAAAZAAAAA0AAAAAkAAAAEgAAACQAAAASAAAAAAAAAACAAAAAAAAAAEAAABQAAAAAAAAAAAA4D8AAAAAAADgPwAAAAAAAOA/AAAAAAAA4D8AAAAAAADgPwAAAAAAAOA/AAAAAAAA4D8AAAAAAADgPwAAAAAAAOA/AAAAAAAA4D8CAAAAjAAAAAAAAAAAAAAAu+DjDP///wgAAAAAAAAAAAAAAAAAAAAAAAAAAAAAAAAAAAAAZAAAAAEAAABAAAAAAAAAAAAAAAAAAAAAAAAAAAAAAAAAAAAAAAAAAAAAAAAAAAAAAAAAAAAAAAAAAAAAAAAAAAAAAAAAAAAAAAAAAAAAAAAAAAAAAAAAAAAAAAAAAAAAFAAAADwAAAAAAAAAAAAAAAAAAAkUAAAAAQAAABQAAAAUAAAAFAAAAAEAAAAAAAAAZAAAAGQAAAAAAAAAZAAAAGQAAAAVAAAAYAAAAAAAAAAAAAAADwAAACADAAAAAAAAAAAAAAEAAACgMgAAVgcAAKr4//8BAAAAf39/AAEAAABkAAAAAAAAABQAAABAHwAAAAAAACYAAAAAAAAAwOD//wAAAAAmAAAAZAAAABYAAABMAAAAAAAAAAAAAAAEAAAAAAAAAAEAAACAgIAKAAAAACgAAAAoAAAAZAAAAGQAAAAAAAAAzMzMAAAAAABQAAAAUAAAAGQAAABkAAAAAAAAABcAAAAUAAAAAAAAAAAAAAD/fwAA/38AAAAAAAAJAAAABAAAAJaoyw4eAAAAaAAAAAAAAAAAAAAAAAAAAAAAAAAAAAAAECcAABAnAAAAAAAAAAAAAAAAAAAAAAAAAAAAAAAAAAAAAAAAAAAAABQAAAAAAAAAwMD/AAAAAABkAAAAMgAAAAAAAABkAAAAAAAAAH9/fwAKAAAAIgAAABgAAAAAAAAAAAAAAAAAAAAAAAAAAAAAAAAAAAAkAAAAJAAAAAAAAAAHAAAAAAAAAAAAAAAAAAAAAAAAAAAAAAAAAAAAf39/ACUAAABYAAAAAAAAAAAAAAAAAAAAAAAAAAAAAAAAAAAAAAAAAAAAAAAAAAAAAAAAAAAAAAA/AAAAAAAAAKCGAQAAAAAAAAAAAAAAAAAMAAAAAQAAAAAAAAAAAAAAAAAAAB8AAABUAAAAAAAABQAAAAEAAAAAAAAAAAAAAAAAAAAAAAAAAAAAAAAAAAAAAAAAAAAAAAJ/f38AAAAAA8zMzADAwP8Af39/AAAAAAAAAAAAAAAAAAAAAAAAAAAAIQAAABgAAAAUAAAA7QUAAOERAACtRQAAHBsAABAAAAAmAAAACAAAAIGQAAAAAAAA"/>
+                <pr:smNativeData xmlns:pr="smNativeData" xmlns="smNativeData" val="SMDATA_15_msZJaRMAAAAlAAAAZAAAAA0AAAAAkAAAAEgAAACQAAAASAAAAAAAAAACAAAAAAAAAAEAAABQAAAAAAAAAAAA4D8AAAAAAADgPwAAAAAAAOA/AAAAAAAA4D8AAAAAAADgPwAAAAAAAOA/AAAAAAAA4D8AAAAAAADgPwAAAAAAAOA/AAAAAAAA4D8CAAAAjAAAAAAAAAAAAAAAu+DjDP///wgAAAAAAAAAAAAAAAAAAAAAAAAAAAAAAAAAAAAAZAAAAAEAAABAAAAAAAAAAAAAAAAAAAAAAAAAAAAAAAAAAAAAAAAAAAAAAAAAAAAAAAAAAAAAAAAAAAAAAAAAAAAAAAAAAAAAAAAAAAAAAAAAAAAAAAAAAAAAAAAAAAAAFAAAADwAAAAAAAAAAAAAAAAAAAkUAAAAAQAAABQAAAAUAAAAFAAAAAEAAAAAAAAAZAAAAGQAAAAAAAAAZAAAAGQAAAAVAAAAYAAAAAAAAAAAAAAADwAAACADAAAAAAAAAAAAAAEAAACgMgAAVgcAAKr4//8BAAAAf39/AAEAAABkAAAAAAAAABQAAABAHwAAAAAAACYAAAAAAAAAwOD//wAAAAAmAAAAZAAAABYAAABMAAAAAAAAAAAAAAAEAAAAAAAAAAEAAACAgIAKAAAAACgAAAAoAAAAZAAAAGQAAAAAAAAAzMzMAAAAAABQAAAAUAAAAGQAAABkAAAAAAAAABcAAAAUAAAAAAAAAAAAAAD/fwAA/38AAAAAAAAJAAAABAAAAJaoyw4eAAAAaAAAAAAAAAAAAAAAAAAAAAAAAAAAAAAAECcAABAnAAAAAAAAAAAAAAAAAAAAAAAAAAAAAAAAAAAAAAAAAAAAABQAAAAAAAAAwMD/AAAAAABkAAAAMgAAAAAAAABkAAAAAAAAAH9/fwAKAAAAIgAAABgAAAAAAAAAAAAAAAAAAAAAAAAAAAAAAAAAAAAkAAAAJAAAAAAAAAAHAAAAAAAAAAAAAAAAAAAAAAAAAAAAAAAAAAAAf39/ACUAAABYAAAAAAAAAAAAAAAAAAAAAAAAAAAAAAAAAAAAAAAAAAAAAAAAAAAAAAAAAAAAAAA/AAAAAAAAAKCGAQAAAAAAAAAAAAAAAAAMAAAAAQAAAAAAAAAAAAAAAAAAAB8AAABUAAAAAAAABQAAAAEAAAAAAAAAAAAAAAAAAAAAAAAAAAAAAAAAAAAAAAAAAAAAAAJ/f38AAAAAA8zMzADAwP8Af39/AAAAAAAAAAAAAAAAAAAAAAAAAAAAIQAAABgAAAAUAAAA7QUAAOERAACtRQAAHBsAABAAAAAmAAAACAAAAIGQAAAAAAAA"/>
               </a:ext>
             </a:extLst>
           </p:cNvSpPr>
@@ -1124,7 +1126,7 @@
             <a:spLocks noGrp="1" noChangeArrowheads="1"/>
             <a:extLst>
               <a:ext uri="smNativeData">
-                <pr:smNativeData xmlns:pr="smNativeData" xmlns="smNativeData" val="SMDATA_15_SSBGaRMAAAAlAAAAZAAAAA0AAAAAkAAAAEgAAACQAAAASAAAAAAAAAABAAAAAAAAAAEAAABQAAAAAAAAAAAA4D8AAAAAAADgPwAAAAAAAOA/AAAAAAAA4D8AAAAAAADgPwAAAAAAAOA/AAAAAAAA4D8AAAAAAADgPwAAAAAAAOA/AAAAAAAA4D8CAAAAjAAAAAAAAAAAAAAAu+DjDP///wgAAAAAAAAAAAAAAAAAAAAAAAAAAAAAAAAAAAAAZAAAAAEAAABAAAAAAAAAAAAAAAAAAAAAAAAAAAAAAAAAAAAAAAAAAAAAAAAAAAAAAAAAAAAAAAAAAAAAAAAAAAAAAAAAAAAAAAAAAAAAAAAAAAAAAAAAAAAAAAAAAAAAFAAAADwAAAAAAAAAAAAAAAAAAAkUAAAAAQAAABQAAAAUAAAAFAAAAAEAAAAAAAAAZAAAAGQAAAAAAAAAZAAAAGQAAAAVAAAAYAAAAAAAAAAAAAAADwAAACADAAAAAAAAAAAAAAEAAACgMgAAVgcAAKr4//8BAAAAf39/AAEAAABkAAAAAAAAABQAAABAHwAAAAAAACYAAAAAAAAAwOD//wAAAAAmAAAAZAAAABYAAABMAAAAAAAAAAAAAAAEAAAAAAAAAAEAAACAgIAKAAAAACgAAAAoAAAAZAAAAGQAAAAAAAAAzMzMAAAAAABQAAAAUAAAAGQAAABkAAAAAAAAABcAAAAUAAAAAAAAAAAAAAD/fwAA/38AAAAAAAAJAAAABAAAACEAAAAeAAAAaAAAAAAAAAAAAAAAAAAAAAAAAAAAAAAAECcAABAnAAAAAAAAAAAAAAAAAAAAAAAAAAAAAAAAAAAAAAAAAAAAABQAAAAAAAAAwMD/AAAAAABkAAAAMgAAAAAAAABkAAAAAAAAAH9/fwAKAAAAIgAAABgAAAAAAAAAAAAAAAAAAAAAAAAAAAAAAAAAAAAkAAAAJAAAAAAAAAAHAAAAAAAAAAAAAAAAAAAAAAAAAAAAAAAAAAAAf39/ACUAAABYAAAAAAAAAAAAAAAAAAAAAAAAAAAAAAAAAAAAAAAAAAAAAAAAAAAAAAAAAAAAAAA/AAAAAAAAAKCGAQAAAAAAAAAAAAAAAAAMAAAAAQAAAAAAAAAAAAAAAAAAAB8AAABUAAAAAAAABQAAAAEAAAAAAAAAAAAAAAAAAAAAAAAAAAAAAAAAAAAAAAAAAAAAAAJ/f38AAAAAA8zMzADAwP8Af39/AAAAAAAAAAAAAAAAAAAAAAAAAAAAIQAAABgAAAAUAAAAwAMAABsnAAA/FQAAWSkAABAAAAAmAAAACAAAAAAAAAAAAAAA"/>
+                <pr:smNativeData xmlns:pr="smNativeData" xmlns="smNativeData" val="SMDATA_15_msZJaRMAAAAlAAAAZAAAAA0AAAAAkAAAAEgAAACQAAAASAAAAAAAAAABAAAAAAAAAAEAAABQAAAAAAAAAAAA4D8AAAAAAADgPwAAAAAAAOA/AAAAAAAA4D8AAAAAAADgPwAAAAAAAOA/AAAAAAAA4D8AAAAAAADgPwAAAAAAAOA/AAAAAAAA4D8CAAAAjAAAAAAAAAAAAAAAu+DjDP///wgAAAAAAAAAAAAAAAAAAAAAAAAAAAAAAAAAAAAAZAAAAAEAAABAAAAAAAAAAAAAAAAAAAAAAAAAAAAAAAAAAAAAAAAAAAAAAAAAAAAAAAAAAAAAAAAAAAAAAAAAAAAAAAAAAAAAAAAAAAAAAAAAAAAAAAAAAAAAAAAAAAAAFAAAADwAAAAAAAAAAAAAAAAAAAkUAAAAAQAAABQAAAAUAAAAFAAAAAEAAAAAAAAAZAAAAGQAAAAAAAAAZAAAAGQAAAAVAAAAYAAAAAAAAAAAAAAADwAAACADAAAAAAAAAAAAAAEAAACgMgAAVgcAAKr4//8BAAAAf39/AAEAAABkAAAAAAAAABQAAABAHwAAAAAAACYAAAAAAAAAwOD//wAAAAAmAAAAZAAAABYAAABMAAAAAAAAAAAAAAAEAAAAAAAAAAEAAACAgIAKAAAAACgAAAAoAAAAZAAAAGQAAAAAAAAAzMzMAAAAAABQAAAAUAAAAGQAAABkAAAAAAAAABcAAAAUAAAAAAAAAAAAAAD/fwAA/38AAAAAAAAJAAAABAAAACEAAAAeAAAAaAAAAAAAAAAAAAAAAAAAAAAAAAAAAAAAECcAABAnAAAAAAAAAAAAAAAAAAAAAAAAAAAAAAAAAAAAAAAAAAAAABQAAAAAAAAAwMD/AAAAAABkAAAAMgAAAAAAAABkAAAAAAAAAH9/fwAKAAAAIgAAABgAAAAAAAAAAAAAAAAAAAAAAAAAAAAAAAAAAAAkAAAAJAAAAAAAAAAHAAAAAAAAAAAAAAAAAAAAAAAAAAAAAAAAAAAAf39/ACUAAABYAAAAAAAAAAAAAAAAAAAAAAAAAAAAAAAAAAAAAAAAAAAAAAAAAAAAAAAAAAAAAAA/AAAAAAAAAKCGAQAAAAAAAAAAAAAAAAAMAAAAAQAAAAAAAAAAAAAAAAAAAB8AAABUAAAAAAAABQAAAAEAAAAAAAAAAAAAAAAAAAAAAAAAAAAAAAAAAAAAAAAAAAAAAAJ/f38AAAAAA8zMzADAwP8Af39/AAAAAAAAAAAAAAAAAAAAAAAAAAAAIQAAABgAAAAUAAAAwAMAABsnAAA/FQAAWSkAABAAAAAmAAAACAAAAAAAAAAAAAAA"/>
               </a:ext>
             </a:extLst>
           </p:cNvSpPr>
@@ -1138,7 +1140,7 @@
           <a:lstStyle/>
           <a:p>
             <a:pPr/>
-            <a:fld id="{1B0E8767-29F6-5B71-B8B6-DF24C9F84E8A}" type="datetime1">
+            <a:fld id="{0DCF5CBB-F5E0-9AAA-AE77-03FF12395856}" type="datetime1">
               <a:t>12/16/2025</a:t>
             </a:fld>
           </a:p>
@@ -1151,7 +1153,7 @@
             <a:spLocks noGrp="1" noChangeArrowheads="1"/>
             <a:extLst>
               <a:ext uri="smNativeData">
-                <pr:smNativeData xmlns:pr="smNativeData" xmlns="smNativeData" val="SMDATA_15_SSBGaRMAAAAlAAAAZAAAAA0AAAAAkAAAAEgAAACQAAAASAAAAAAAAAABAAAAAAAAAAEAAABQAAAAAAAAAAAA4D8AAAAAAADgPwAAAAAAAOA/AAAAAAAA4D8AAAAAAADgPwAAAAAAAOA/AAAAAAAA4D8AAAAAAADgPwAAAAAAAOA/AAAAAAAA4D8CAAAAjAAAAAAAAAAAAAAAu+DjDP///wgAAAAAAAAAAAAAAAAAAAAAAAAAAAAAAAAAAAAAZAAAAAEAAABAAAAAAAAAAAAAAAAAAAAAAAAAAAAAAAAAAAAAAAAAAAAAAAAAAAAAAAAAAAAAAAAAAAAAAAAAAAAAAAAAAAAAAAAAAAAAAAAAAAAAAAAAAAAAAAAAAAAAFAAAADwAAAAAAAAAAAAAAAAAAAkUAAAAAQAAABQAAAAUAAAAFAAAAAEAAAAAAAAAZAAAAGQAAAAAAAAAZAAAAGQAAAAVAAAAYAAAAAAAAAAAAAAADwAAACADAAAAAAAAAAAAAAEAAACgMgAAVgcAAKr4//8BAAAAf39/AAEAAABkAAAAAAAAABQAAABAHwAAAAAAACYAAAAAAAAAwOD//wAAAAAmAAAAZAAAABYAAABMAAAAAAAAAAAAAAAEAAAAAAAAAAEAAACAgIAKAAAAACgAAAAoAAAAZAAAAGQAAAAAAAAAzMzMAAAAAABQAAAAUAAAAGQAAABkAAAAAAAAABcAAAAUAAAAAAAAAAAAAAD/fwAA/38AAAAAAAAJAAAABAAAAAAAAAAeAAAAaAAAAAAAAAAAAAAAAAAAAAAAAAAAAAAAECcAABAnAAAAAAAAAAAAAAAAAAAAAAAAAAAAAAAAAAAAAAAAAAAAABQAAAAAAAAAwMD/AAAAAABkAAAAMgAAAAAAAABkAAAAAAAAAH9/fwAKAAAAIgAAABgAAAAAAAAAAAAAAAAAAAAAAAAAAAAAAAAAAAAkAAAAJAAAAAAAAAAHAAAAAAAAAAAAAAAAAAAAAAAAAAAAAAAAAAAAf39/ACUAAABYAAAAAAAAAAAAAAAAAAAAAAAAAAAAAAAAAAAAAAAAAAAAAAAAAAAAAAAAAAAAAAA/AAAAAAAAAKCGAQAAAAAAAAAAAAAAAAAMAAAAAQAAAAAAAAAAAAAAAAAAAB8AAABUAAAAAAAABQAAAAEAAAAAAAAAAAAAAAAAAAAAAAAAAAAAAAAAAAAAAAAAAAAAAAJ/f38AAAAAA8zMzADAwP8Af39/AAAAAAAAAAAAAAAAAAAAAAAAAAAAIQAAABgAAAAUAAAAoRkAABsnAABfMQAAWSkAABAAAAAmAAAACAAAAAAAAAAAAAAA"/>
+                <pr:smNativeData xmlns:pr="smNativeData" xmlns="smNativeData" val="SMDATA_15_msZJaRMAAAAlAAAAZAAAAA0AAAAAkAAAAEgAAACQAAAASAAAAAAAAAABAAAAAAAAAAEAAABQAAAAAAAAAAAA4D8AAAAAAADgPwAAAAAAAOA/AAAAAAAA4D8AAAAAAADgPwAAAAAAAOA/AAAAAAAA4D8AAAAAAADgPwAAAAAAAOA/AAAAAAAA4D8CAAAAjAAAAAAAAAAAAAAAu+DjDP///wgAAAAAAAAAAAAAAAAAAAAAAAAAAAAAAAAAAAAAZAAAAAEAAABAAAAAAAAAAAAAAAAAAAAAAAAAAAAAAAAAAAAAAAAAAAAAAAAAAAAAAAAAAAAAAAAAAAAAAAAAAAAAAAAAAAAAAAAAAAAAAAAAAAAAAAAAAAAAAAAAAAAAFAAAADwAAAAAAAAAAAAAAAAAAAkUAAAAAQAAABQAAAAUAAAAFAAAAAEAAAAAAAAAZAAAAGQAAAAAAAAAZAAAAGQAAAAVAAAAYAAAAAAAAAAAAAAADwAAACADAAAAAAAAAAAAAAEAAACgMgAAVgcAAKr4//8BAAAAf39/AAEAAABkAAAAAAAAABQAAABAHwAAAAAAACYAAAAAAAAAwOD//wAAAAAmAAAAZAAAABYAAABMAAAAAAAAAAAAAAAEAAAAAAAAAAEAAACAgIAKAAAAACgAAAAoAAAAZAAAAGQAAAAAAAAAzMzMAAAAAABQAAAAUAAAAGQAAABkAAAAAAAAABcAAAAUAAAAAAAAAAAAAAD/fwAA/38AAAAAAAAJAAAABAAAAAAAAAAeAAAAaAAAAAAAAAAAAAAAAAAAAAAAAAAAAAAAECcAABAnAAAAAAAAAAAAAAAAAAAAAAAAAAAAAAAAAAAAAAAAAAAAABQAAAAAAAAAwMD/AAAAAABkAAAAMgAAAAAAAABkAAAAAAAAAH9/fwAKAAAAIgAAABgAAAAAAAAAAAAAAAAAAAAAAAAAAAAAAAAAAAAkAAAAJAAAAAAAAAAHAAAAAAAAAAAAAAAAAAAAAAAAAAAAAAAAAAAAf39/ACUAAABYAAAAAAAAAAAAAAAAAAAAAAAAAAAAAAAAAAAAAAAAAAAAAAAAAAAAAAAAAAAAAAA/AAAAAAAAAKCGAQAAAAAAAAAAAAAAAAAMAAAAAQAAAAAAAAAAAAAAAAAAAB8AAABUAAAAAAAABQAAAAEAAAAAAAAAAAAAAAAAAAAAAAAAAAAAAAAAAAAAAAAAAAAAAAJ/f38AAAAAA8zMzADAwP8Af39/AAAAAAAAAAAAAAAAAAAAAAAAAAAAIQAAABgAAAAUAAAAoRkAABsnAABfMQAAWSkAABAAAAAmAAAACAAAAAAAAAAAAAAA"/>
               </a:ext>
             </a:extLst>
           </p:cNvSpPr>
@@ -1175,7 +1177,7 @@
             <a:spLocks noGrp="1" noChangeArrowheads="1"/>
             <a:extLst>
               <a:ext uri="smNativeData">
-                <pr:smNativeData xmlns:pr="smNativeData" xmlns="smNativeData" val="SMDATA_15_SSBGaRMAAAAlAAAAZAAAAA0AAAAAkAAAAEgAAACQAAAASAAAAAAAAAABAAAAAAAAAAEAAABQAAAAAAAAAAAA4D8AAAAAAADgPwAAAAAAAOA/AAAAAAAA4D8AAAAAAADgPwAAAAAAAOA/AAAAAAAA4D8AAAAAAADgPwAAAAAAAOA/AAAAAAAA4D8CAAAAjAAAAAAAAAAAAAAAu+DjDP///wgAAAAAAAAAAAAAAAAAAAAAAAAAAAAAAAAAAAAAZAAAAAEAAABAAAAAAAAAAAAAAAAAAAAAAAAAAAAAAAAAAAAAAAAAAAAAAAAAAAAAAAAAAAAAAAAAAAAAAAAAAAAAAAAAAAAAAAAAAAAAAAAAAAAAAAAAAAAAAAAAAAAAFAAAADwAAAAAAAAAAAAAAAAAAAkUAAAAAQAAABQAAAAUAAAAFAAAAAEAAAAAAAAAZAAAAGQAAAAAAAAAZAAAAGQAAAAVAAAAYAAAAAAAAAAAAAAADwAAACADAAAAAAAAAAAAAAEAAACgMgAAVgcAAKr4//8BAAAAf39/AAEAAABkAAAAAAAAABQAAABAHwAAAAAAACYAAAAAAAAAwOD//wAAAAAmAAAAZAAAABYAAABMAAAAAAAAAAAAAAAEAAAAAAAAAAEAAACAgIAKAAAAACgAAAAoAAAAZAAAAGQAAAAAAAAAzMzMAAAAAABQAAAAUAAAAGQAAABkAAAAAAAAABcAAAAUAAAAAAAAAAAAAAD/fwAA/38AAAAAAAAJAAAABAAAAEAoWAweAAAAaAAAAAAAAAAAAAAAAAAAAAAAAAAAAAAAECcAABAnAAAAAAAAAAAAAAAAAAAAAAAAAAAAAAAAAAAAAAAAAAAAABQAAAAAAAAAwMD/AAAAAABkAAAAMgAAAAAAAABkAAAAAAAAAH9/fwAKAAAAIgAAABgAAAAAAAAAAAAAAAAAAAAAAAAAAAAAAAAAAAAkAAAAJAAAAAAAAAAHAAAAAAAAAAAAAAAAAAAAAAAAAAAAAAAAAAAAf39/ACUAAABYAAAAAAAAAAAAAAAAAAAAAAAAAAAAAAAAAAAAAAAAAAAAAAAAAAAAAAAAAAAAAAA/AAAAAAAAAKCGAQAAAAAAAAAAAAAAAAAMAAAAAQAAAAAAAAAAAAAAAAAAAB8AAABUAAAAAAAABQAAAAEAAAAAAAAAAAAAAAAAAAAAAAAAAAAAAAAAAAAAAAAAAAAAAAJ/f38AAAAAA8zMzADAwP8Af39/AAAAAAAAAAAAAAAAAAAAAAAAAAAAIQAAABgAAAAUAAAAwTUAABsnAABARwAAWSkAABAAAAAmAAAACAAAAAAAAAAAAAAA"/>
+                <pr:smNativeData xmlns:pr="smNativeData" xmlns="smNativeData" val="SMDATA_15_msZJaRMAAAAlAAAAZAAAAA0AAAAAkAAAAEgAAACQAAAASAAAAAAAAAABAAAAAAAAAAEAAABQAAAAAAAAAAAA4D8AAAAAAADgPwAAAAAAAOA/AAAAAAAA4D8AAAAAAADgPwAAAAAAAOA/AAAAAAAA4D8AAAAAAADgPwAAAAAAAOA/AAAAAAAA4D8CAAAAjAAAAAAAAAAAAAAAu+DjDP///wgAAAAAAAAAAAAAAAAAAAAAAAAAAAAAAAAAAAAAZAAAAAEAAABAAAAAAAAAAAAAAAAAAAAAAAAAAAAAAAAAAAAAAAAAAAAAAAAAAAAAAAAAAAAAAAAAAAAAAAAAAAAAAAAAAAAAAAAAAAAAAAAAAAAAAAAAAAAAAAAAAAAAFAAAADwAAAAAAAAAAAAAAAAAAAkUAAAAAQAAABQAAAAUAAAAFAAAAAEAAAAAAAAAZAAAAGQAAAAAAAAAZAAAAGQAAAAVAAAAYAAAAAAAAAAAAAAADwAAACADAAAAAAAAAAAAAAEAAACgMgAAVgcAAKr4//8BAAAAf39/AAEAAABkAAAAAAAAABQAAABAHwAAAAAAACYAAAAAAAAAwOD//wAAAAAmAAAAZAAAABYAAABMAAAAAAAAAAAAAAAEAAAAAAAAAAEAAACAgIAKAAAAACgAAAAoAAAAZAAAAGQAAAAAAAAAzMzMAAAAAABQAAAAUAAAAGQAAABkAAAAAAAAABcAAAAUAAAAAAAAAAAAAAD/fwAA/38AAAAAAAAJAAAABAAAAEAoWAweAAAAaAAAAAAAAAAAAAAAAAAAAAAAAAAAAAAAECcAABAnAAAAAAAAAAAAAAAAAAAAAAAAAAAAAAAAAAAAAAAAAAAAABQAAAAAAAAAwMD/AAAAAABkAAAAMgAAAAAAAABkAAAAAAAAAH9/fwAKAAAAIgAAABgAAAAAAAAAAAAAAAAAAAAAAAAAAAAAAAAAAAAkAAAAJAAAAAAAAAAHAAAAAAAAAAAAAAAAAAAAAAAAAAAAAAAAAAAAf39/ACUAAABYAAAAAAAAAAAAAAAAAAAAAAAAAAAAAAAAAAAAAAAAAAAAAAAAAAAAAAAAAAAAAAA/AAAAAAAAAKCGAQAAAAAAAAAAAAAAAAAMAAAAAQAAAAAAAAAAAAAAAAAAAB8AAABUAAAAAAAABQAAAAEAAAAAAAAAAAAAAAAAAAAAAAAAAAAAAAAAAAAAAAAAAAAAAAJ/f38AAAAAA8zMzADAwP8Af39/AAAAAAAAAAAAAAAAAAAAAAAAAAAAIQAAABgAAAAUAAAAwTUAABsnAABARwAAWSkAABAAAAAmAAAACAAAAAAAAAAAAAAA"/>
               </a:ext>
             </a:extLst>
           </p:cNvSpPr>
@@ -1189,7 +1191,7 @@
           <a:lstStyle/>
           <a:p>
             <a:pPr/>
-            <a:fld id="{1B0EADFD-B3F6-5B5B-B8B6-450EE3F84E10}" type="slidenum">
+            <a:fld id="{0DCF78AB-E5E0-9A8E-AE77-13DB36395846}" type="slidenum">
               <a:t>‹#›</a:t>
             </a:fld>
           </a:p>
@@ -1228,7 +1230,7 @@
             <a:spLocks noGrp="1" noChangeArrowheads="1"/>
             <a:extLst>
               <a:ext uri="smNativeData">
-                <pr:smNativeData xmlns:pr="smNativeData" xmlns="smNativeData" val="SMDATA_15_SSBGaRMAAAAlAAAAZAAAAA0AAAAAkAAAAEgAAACQAAAASAAAAAAAAAABAAAAAAAAAAEAAABQAAAAAAAAAAAA4D8AAAAAAADgPwAAAAAAAOA/AAAAAAAA4D8AAAAAAADgPwAAAAAAAOA/AAAAAAAA4D8AAAAAAADgPwAAAAAAAOA/AAAAAAAA4D8CAAAAjAAAAAAAAAAAAAAAu+DjDP///wgAAAAAAAAAAAAAAAAAAAAAAAAAAAAAAAAAAAAAZAAAAAEAAABAAAAAAAAAAAAAAAAAAAAAAAAAAAAAAAAAAAAAAAAAAAAAAAAAAAAAAAAAAAAAAAAAAAAAAAAAAAAAAAAAAAAAAAAAAAAAAAAAAAAAAAAAAAAAAAAAAAAAFAAAADwAAAAAAAAAAAAAAAAAAAkUAAAAAQAAABQAAAAUAAAAFAAAAAEAAAAAAAAAZAAAAGQAAAAAAAAAZAAAAGQAAAAVAAAAYAAAAAAAAAAAAAAADwAAACADAAAAAAAAAAAAAAEAAACgMgAAVgcAAKr4//8BAAAAf39/AAEAAABkAAAAAAAAABQAAABAHwAAAAAAACYAAAAAAAAAwOD//wAAAAAmAAAAZAAAABYAAABMAAAAAAAAAAAAAAAEAAAAAAAAAAEAAACAgIAKAAAAACgAAAAoAAAAZAAAAGQAAAAAAAAAzMzMAAAAAABQAAAAUAAAAGQAAABkAAAAAAAAABcAAAAUAAAAAAAAAAAAAAD/fwAA/38AAAAAAAAJAAAABAAAAAAAAAAeAAAAaAAAAAAAAAAAAAAAAAAAAAAAAAAAAAAAECcAABAnAAAAAAAAAAAAAAAAAAAAAAAAAAAAAAAAAAAAAAAAAAAAABQAAAAAAAAAwMD/AAAAAABkAAAAMgAAAAAAAABkAAAAAAAAAH9/fwAKAAAAIgAAABgAAAAAAAAAAAAAAAAAAAAAAAAAAAAAAAAAAAAkAAAAJAAAAAAAAAAHAAAAAAAAAAAAAAAAAAAAAAAAAAAAAAAAAAAAf39/ACUAAABYAAAAAAAAAAAAAAAAAAAAAAAAAAAAAAAAAAAAAAAAAAAAAAAAAAAAAAAAAAAAAAA/AAAAAAAAAKCGAQAAAAAAAAAAAAAAAAAMAAAAAQAAAAAAAAAAAAAAAAAAAB8AAABUAAAAAAAABQAAAAEAAAAAAAAAAAAAAAAAAAAAAAAAAAAAAAAAAAAAAAAAAAAAAAJ/f38AAAAAA8zMzADAwP8Af39/AAAAAAAAAAAAAAAAAAAAAAAAAAAAIQAAABgAAAAUAAAAwAMAALABAABARwAAuAgAABAAAAAmAAAACAAAAAAAAAAAAAAA"/>
+                <pr:smNativeData xmlns:pr="smNativeData" xmlns="smNativeData" val="SMDATA_15_msZJaRMAAAAlAAAAZAAAAA0AAAAAkAAAAEgAAACQAAAASAAAAAAAAAABAAAAAAAAAAEAAABQAAAAAAAAAAAA4D8AAAAAAADgPwAAAAAAAOA/AAAAAAAA4D8AAAAAAADgPwAAAAAAAOA/AAAAAAAA4D8AAAAAAADgPwAAAAAAAOA/AAAAAAAA4D8CAAAAjAAAAAAAAAAAAAAAu+DjDP///wgAAAAAAAAAAAAAAAAAAAAAAAAAAAAAAAAAAAAAZAAAAAEAAABAAAAAAAAAAAAAAAAAAAAAAAAAAAAAAAAAAAAAAAAAAAAAAAAAAAAAAAAAAAAAAAAAAAAAAAAAAAAAAAAAAAAAAAAAAAAAAAAAAAAAAAAAAAAAAAAAAAAAFAAAADwAAAAAAAAAAAAAAAAAAAkUAAAAAQAAABQAAAAUAAAAFAAAAAEAAAAAAAAAZAAAAGQAAAAAAAAAZAAAAGQAAAAVAAAAYAAAAAAAAAAAAAAADwAAACADAAAAAAAAAAAAAAEAAACgMgAAVgcAAKr4//8BAAAAf39/AAEAAABkAAAAAAAAABQAAABAHwAAAAAAACYAAAAAAAAAwOD//wAAAAAmAAAAZAAAABYAAABMAAAAAAAAAAAAAAAEAAAAAAAAAAEAAACAgIAKAAAAACgAAAAoAAAAZAAAAGQAAAAAAAAAzMzMAAAAAABQAAAAUAAAAGQAAABkAAAAAAAAABcAAAAUAAAAAAAAAAAAAAD/fwAA/38AAAAAAAAJAAAABAAAAAAAAAAeAAAAaAAAAAAAAAAAAAAAAAAAAAAAAAAAAAAAECcAABAnAAAAAAAAAAAAAAAAAAAAAAAAAAAAAAAAAAAAAAAAAAAAABQAAAAAAAAAwMD/AAAAAABkAAAAMgAAAAAAAABkAAAAAAAAAH9/fwAKAAAAIgAAABgAAAAAAAAAAAAAAAAAAAAAAAAAAAAAAAAAAAAkAAAAJAAAAAAAAAAHAAAAAAAAAAAAAAAAAAAAAAAAAAAAAAAAAAAAf39/ACUAAABYAAAAAAAAAAAAAAAAAAAAAAAAAAAAAAAAAAAAAAAAAAAAAAAAAAAAAAAAAAAAAAA/AAAAAAAAAKCGAQAAAAAAAAAAAAAAAAAMAAAAAQAAAAAAAAAAAAAAAAAAAB8AAABUAAAAAAAABQAAAAEAAAAAAAAAAAAAAAAAAAAAAAAAAAAAAAAAAAAAAAAAAAAAAAJ/f38AAAAAA8zMzADAwP8Af39/AAAAAAAAAAAAAAAAAAAAAAAAAAAAIQAAABgAAAAUAAAAwAMAALABAABARwAAuAgAABAAAAAmAAAACAAAAAAAAAAAAAAA"/>
               </a:ext>
             </a:extLst>
           </p:cNvSpPr>
@@ -1255,7 +1257,7 @@
             <a:spLocks noGrp="1" noChangeArrowheads="1"/>
             <a:extLst>
               <a:ext uri="smNativeData">
-                <pr:smNativeData xmlns:pr="smNativeData" xmlns="smNativeData" val="SMDATA_15_SSBGaRMAAAAlAAAAZAAAAA0AAAAAkAAAAEgAAACQAAAASAAAAAAAAAAAAAAAAAAAAAEAAABQAAAAAAAAAAAA4D8AAAAAAADgPwAAAAAAAOA/AAAAAAAA4D8AAAAAAADgPwAAAAAAAOA/AAAAAAAA4D8AAAAAAADgPwAAAAAAAOA/AAAAAAAA4D8CAAAAjAAAAAAAAAAAAAAAu+DjDP///wgAAAAAAAAAAAAAAAAAAAAAAAAAAAAAAAAAAAAAZAAAAAEAAABAAAAAAAAAAAAAAAAAAAAAAAAAAAAAAAAAAAAAAAAAAAAAAAAAAAAAAAAAAAAAAAAAAAAAAAAAAAAAAAAAAAAAAAAAAAAAAAAAAAAAAAAAAAAAAAAAAAAAFAAAADwAAAAAAAAAAAAAAAAAAAkUAAAAAQAAABQAAAAUAAAAFAAAAAEAAAAAAAAAZAAAAGQAAAAAAAAAZAAAAGQAAAAVAAAAYAAAAAAAAAAAAAAADwAAACADAAAAAAAAAAAAAAEAAACgMgAAVgcAAKr4//8BAAAAf39/AAEAAABkAAAAAAAAABQAAABAHwAAAAAAACYAAAAAAAAAwOD//wAAAAAmAAAAZAAAABYAAABMAAAAAAAAAAAAAAAEAAAAAAAAAAEAAACAgIAKAAAAACgAAAAoAAAAZAAAAGQAAAAAAAAAzMzMAAAAAABQAAAAUAAAAGQAAABkAAAAAAAAABcAAAAUAAAAAAAAAAAAAAD/fwAA/38AAAAAAAAJAAAABAAAAJgGAAAeAAAAaAAAAAAAAAAAAAAAAAAAAAAAAAAAAAAAECcAABAnAAAAAAAAAAAAAAAAAAAAAAAAAAAAAAAAAAAAAAAAAAAAABQAAAAAAAAAwMD/AAAAAABkAAAAMgAAAAAAAABkAAAAAAAAAH9/fwAKAAAAIgAAABgAAAAAAAAAAAAAAAAAAAAAAAAAAAAAAAAAAAAkAAAAJAAAAAAAAAAHAAAAAAAAAAAAAAAAAAAAAAAAAAAAAAAAAAAAf39/ACUAAABYAAAAAAAAAAAAAAAAAAAAAAAAAAAAAAAAAAAAAAAAAAAAAAAAAAAAAAAAAAAAAAA/AAAAAAAAAKCGAQAAAAAAAAAAAAAAAAAMAAAAAQAAAAAAAAAAAAAAAAAAAB8AAABUAAAAAAAABQAAAAEAAAAAAAAAAAAAAAAAAAAAAAAAAAAAAAAAAAAAAAAAAAAAAAJ/f38AAAAAA8zMzADAwP8Af39/AAAAAAAAAAAAAAAAAAAAAAAAAAAAIQAAABgAAAAUAAAAwAMAANgJAADhJAAAsCUAABAAAAAmAAAACAAAAAGAAAAAAAAA"/>
+                <pr:smNativeData xmlns:pr="smNativeData" xmlns="smNativeData" val="SMDATA_15_msZJaRMAAAAlAAAAZAAAAA0AAAAAkAAAAEgAAACQAAAASAAAAAAAAAAAAAAAAAAAAAEAAABQAAAAAAAAAAAA4D8AAAAAAADgPwAAAAAAAOA/AAAAAAAA4D8AAAAAAADgPwAAAAAAAOA/AAAAAAAA4D8AAAAAAADgPwAAAAAAAOA/AAAAAAAA4D8CAAAAjAAAAAAAAAAAAAAAu+DjDP///wgAAAAAAAAAAAAAAAAAAAAAAAAAAAAAAAAAAAAAZAAAAAEAAABAAAAAAAAAAAAAAAAAAAAAAAAAAAAAAAAAAAAAAAAAAAAAAAAAAAAAAAAAAAAAAAAAAAAAAAAAAAAAAAAAAAAAAAAAAAAAAAAAAAAAAAAAAAAAAAAAAAAAFAAAADwAAAAAAAAAAAAAAAAAAAkUAAAAAQAAABQAAAAUAAAAFAAAAAEAAAAAAAAAZAAAAGQAAAAAAAAAZAAAAGQAAAAVAAAAYAAAAAAAAAAAAAAADwAAACADAAAAAAAAAAAAAAEAAACgMgAAVgcAAKr4//8BAAAAf39/AAEAAABkAAAAAAAAABQAAABAHwAAAAAAACYAAAAAAAAAwOD//wAAAAAmAAAAZAAAABYAAABMAAAAAAAAAAAAAAAEAAAAAAAAAAEAAACAgIAKAAAAACgAAAAoAAAAZAAAAGQAAAAAAAAAzMzMAAAAAABQAAAAUAAAAGQAAABkAAAAAAAAABcAAAAUAAAAAAAAAAAAAAD/fwAA/38AAAAAAAAJAAAABAAAAJgGAAAeAAAAaAAAAAAAAAAAAAAAAAAAAAAAAAAAAAAAECcAABAnAAAAAAAAAAAAAAAAAAAAAAAAAAAAAAAAAAAAAAAAAAAAABQAAAAAAAAAwMD/AAAAAABkAAAAMgAAAAAAAABkAAAAAAAAAH9/fwAKAAAAIgAAABgAAAAAAAAAAAAAAAAAAAAAAAAAAAAAAAAAAAAkAAAAJAAAAAAAAAAHAAAAAAAAAAAAAAAAAAAAAAAAAAAAAAAAAAAAf39/ACUAAABYAAAAAAAAAAAAAAAAAAAAAAAAAAAAAAAAAAAAAAAAAAAAAAAAAAAAAAAAAAAAAAA/AAAAAAAAAKCGAQAAAAAAAAAAAAAAAAAMAAAAAQAAAAAAAAAAAAAAAAAAAB8AAABUAAAAAAAABQAAAAEAAAAAAAAAAAAAAAAAAAAAAAAAAAAAAAAAAAAAAAAAAAAAAAJ/f38AAAAAA8zMzADAwP8Af39/AAAAAAAAAAAAAAAAAAAAAAAAAAAAIQAAABgAAAAUAAAAwAMAANgJAADhJAAAsCUAABAAAAAmAAAACAAAAAGAAAAAAAAA"/>
               </a:ext>
             </a:extLst>
           </p:cNvSpPr>
@@ -1339,7 +1341,7 @@
             <a:spLocks noGrp="1" noChangeArrowheads="1"/>
             <a:extLst>
               <a:ext uri="smNativeData">
-                <pr:smNativeData xmlns:pr="smNativeData" xmlns="smNativeData" val="SMDATA_15_SSBGaRMAAAAlAAAAZAAAAA0AAAAAkAAAAEgAAACQAAAASAAAAAAAAAAAAAAAAAAAAAEAAABQAAAAAAAAAAAA4D8AAAAAAADgPwAAAAAAAOA/AAAAAAAA4D8AAAAAAADgPwAAAAAAAOA/AAAAAAAA4D8AAAAAAADgPwAAAAAAAOA/AAAAAAAA4D8CAAAAjAAAAAAAAAAAAAAAu+DjDP///wgAAAAAAAAAAAAAAAAAAAAAAAAAAAAAAAAAAAAAZAAAAAEAAABAAAAAAAAAAAAAAAAAAAAAAAAAAAAAAAAAAAAAAAAAAAAAAAAAAAAAAAAAAAAAAAAAAAAAAAAAAAAAAAAAAAAAAAAAAAAAAAAAAAAAAAAAAAAAAAAAAAAAFAAAADwAAAAAAAAAAAAAAAAAAAkUAAAAAQAAABQAAAAUAAAAFAAAAAEAAAAAAAAAZAAAAGQAAAAAAAAAZAAAAGQAAAAVAAAAYAAAAAAAAAAAAAAADwAAACADAAAAAAAAAAAAAAEAAACgMgAAVgcAAKr4//8BAAAAf39/AAEAAABkAAAAAAAAABQAAABAHwAAAAAAACYAAAAAAAAAwOD//wAAAAAmAAAAZAAAABYAAABMAAAAAAAAAAAAAAAEAAAAAAAAAAEAAACAgIAKAAAAACgAAAAoAAAAZAAAAGQAAAAAAAAAzMzMAAAAAABQAAAAUAAAAGQAAABkAAAAAAAAABcAAAAUAAAAAAAAAAAAAAD/fwAA/38AAAAAAAAJAAAABAAAAFhUxw4eAAAAaAAAAAAAAAAAAAAAAAAAAAAAAAAAAAAAECcAABAnAAAAAAAAAAAAAAAAAAAAAAAAAAAAAAAAAAAAAAAAAAAAABQAAAAAAAAAwMD/AAAAAABkAAAAMgAAAAAAAABkAAAAAAAAAH9/fwAKAAAAIgAAABgAAAAAAAAAAAAAAAAAAAAAAAAAAAAAAAAAAAAkAAAAJAAAAAAAAAAHAAAAAAAAAAAAAAAAAAAAAAAAAAAAAAAAAAAAf39/ACUAAABYAAAAAAAAAAAAAAAAAAAAAAAAAAAAAAAAAAAAAAAAAAAAAAAAAAAAAAAAAAAAAAA/AAAAAAAAAKCGAQAAAAAAAAAAAAAAAAAMAAAAAQAAAAAAAAAAAAAAAAAAAB8AAABUAAAAAAAABQAAAAEAAAAAAAAAAAAAAAAAAAAAAAAAAAAAAAAAAAAAAAAAAAAAAAJ/f38AAAAAA8zMzADAwP8Af39/AAAAAAAAAAAAAAAAAAAAAAAAAAAAIQAAABgAAAAUAAAAHyYAANgJAABARwAAsCUAABAAAAAmAAAACAAAAAGAAAAAAAAA"/>
+                <pr:smNativeData xmlns:pr="smNativeData" xmlns="smNativeData" val="SMDATA_15_msZJaRMAAAAlAAAAZAAAAA0AAAAAkAAAAEgAAACQAAAASAAAAAAAAAAAAAAAAAAAAAEAAABQAAAAAAAAAAAA4D8AAAAAAADgPwAAAAAAAOA/AAAAAAAA4D8AAAAAAADgPwAAAAAAAOA/AAAAAAAA4D8AAAAAAADgPwAAAAAAAOA/AAAAAAAA4D8CAAAAjAAAAAAAAAAAAAAAu+DjDP///wgAAAAAAAAAAAAAAAAAAAAAAAAAAAAAAAAAAAAAZAAAAAEAAABAAAAAAAAAAAAAAAAAAAAAAAAAAAAAAAAAAAAAAAAAAAAAAAAAAAAAAAAAAAAAAAAAAAAAAAAAAAAAAAAAAAAAAAAAAAAAAAAAAAAAAAAAAAAAAAAAAAAAFAAAADwAAAAAAAAAAAAAAAAAAAkUAAAAAQAAABQAAAAUAAAAFAAAAAEAAAAAAAAAZAAAAGQAAAAAAAAAZAAAAGQAAAAVAAAAYAAAAAAAAAAAAAAADwAAACADAAAAAAAAAAAAAAEAAACgMgAAVgcAAKr4//8BAAAAf39/AAEAAABkAAAAAAAAABQAAABAHwAAAAAAACYAAAAAAAAAwOD//wAAAAAmAAAAZAAAABYAAABMAAAAAAAAAAAAAAAEAAAAAAAAAAEAAACAgIAKAAAAACgAAAAoAAAAZAAAAGQAAAAAAAAAzMzMAAAAAABQAAAAUAAAAGQAAABkAAAAAAAAABcAAAAUAAAAAAAAAAAAAAD/fwAA/38AAAAAAAAJAAAABAAAAFhUxw4eAAAAaAAAAAAAAAAAAAAAAAAAAAAAAAAAAAAAECcAABAnAAAAAAAAAAAAAAAAAAAAAAAAAAAAAAAAAAAAAAAAAAAAABQAAAAAAAAAwMD/AAAAAABkAAAAMgAAAAAAAABkAAAAAAAAAH9/fwAKAAAAIgAAABgAAAAAAAAAAAAAAAAAAAAAAAAAAAAAAAAAAAAkAAAAJAAAAAAAAAAHAAAAAAAAAAAAAAAAAAAAAAAAAAAAAAAAAAAAf39/ACUAAABYAAAAAAAAAAAAAAAAAAAAAAAAAAAAAAAAAAAAAAAAAAAAAAAAAAAAAAAAAAAAAAA/AAAAAAAAAKCGAQAAAAAAAAAAAAAAAAAMAAAAAQAAAAAAAAAAAAAAAAAAAB8AAABUAAAAAAAABQAAAAEAAAAAAAAAAAAAAAAAAAAAAAAAAAAAAAAAAAAAAAAAAAAAAAJ/f38AAAAAA8zMzADAwP8Af39/AAAAAAAAAAAAAAAAAAAAAAAAAAAAIQAAABgAAAAUAAAAHyYAANgJAABARwAAsCUAABAAAAAmAAAACAAAAAGAAAAAAAAA"/>
               </a:ext>
             </a:extLst>
           </p:cNvSpPr>
@@ -1423,7 +1425,7 @@
             <a:spLocks noGrp="1" noChangeArrowheads="1"/>
             <a:extLst>
               <a:ext uri="smNativeData">
-                <pr:smNativeData xmlns:pr="smNativeData" xmlns="smNativeData" val="SMDATA_15_SSBGaRMAAAAlAAAAZAAAAA0AAAAAkAAAAEgAAACQAAAASAAAAAAAAAABAAAAAAAAAAEAAABQAAAAAAAAAAAA4D8AAAAAAADgPwAAAAAAAOA/AAAAAAAA4D8AAAAAAADgPwAAAAAAAOA/AAAAAAAA4D8AAAAAAADgPwAAAAAAAOA/AAAAAAAA4D8CAAAAjAAAAAAAAAAAAAAAu+DjDP///wgAAAAAAAAAAAAAAAAAAAAAAAAAAAAAAAAAAAAAZAAAAAEAAABAAAAAAAAAAAAAAAAAAAAAAAAAAAAAAAAAAAAAAAAAAAAAAAAAAAAAAAAAAAAAAAAAAAAAAAAAAAAAAAAAAAAAAAAAAAAAAAAAAAAAAAAAAAAAAAAAAAAAFAAAADwAAAAAAAAAAAAAAAAAAAkUAAAAAQAAABQAAAAUAAAAFAAAAAEAAAAAAAAAZAAAAGQAAAAAAAAAZAAAAGQAAAAVAAAAYAAAAAAAAAAAAAAADwAAACADAAAAAAAAAAAAAAEAAACgMgAAVgcAAKr4//8BAAAAf39/AAEAAABkAAAAAAAAABQAAABAHwAAAAAAACYAAAAAAAAAwOD//wAAAAAmAAAAZAAAABYAAABMAAAAAAAAAAAAAAAEAAAAAAAAAAEAAACAgIAKAAAAACgAAAAoAAAAZAAAAGQAAAAAAAAAzMzMAAAAAABQAAAAUAAAAGQAAABkAAAAAAAAABcAAAAUAAAAAAAAAAAAAAD/fwAA/38AAAAAAAAJAAAABAAAAAAAAAAeAAAAaAAAAAAAAAAAAAAAAAAAAAAAAAAAAAAAECcAABAnAAAAAAAAAAAAAAAAAAAAAAAAAAAAAAAAAAAAAAAAAAAAABQAAAAAAAAAwMD/AAAAAABkAAAAMgAAAAAAAABkAAAAAAAAAH9/fwAKAAAAIgAAABgAAAAAAAAAAAAAAAAAAAAAAAAAAAAAAAAAAAAkAAAAJAAAAAAAAAAHAAAAAAAAAAAAAAAAAAAAAAAAAAAAAAAAAAAAf39/ACUAAABYAAAAAAAAAAAAAAAAAAAAAAAAAAAAAAAAAAAAAAAAAAAAAAAAAAAAAAAAAAAAAAA/AAAAAAAAAKCGAQAAAAAAAAAAAAAAAAAMAAAAAQAAAAAAAAAAAAAAAAAAAB8AAABUAAAAAAAABQAAAAEAAAAAAAAAAAAAAAAAAAAAAAAAAAAAAAAAAAAAAAAAAAAAAAJ/f38AAAAAA8zMzADAwP8Af39/AAAAAAAAAAAAAAAAAAAAAAAAAAAAIQAAABgAAAAUAAAAwAMAABsnAAA/FQAAWSkAABAAAAAmAAAACAAAAAAAAAAAAAAA"/>
+                <pr:smNativeData xmlns:pr="smNativeData" xmlns="smNativeData" val="SMDATA_15_msZJaRMAAAAlAAAAZAAAAA0AAAAAkAAAAEgAAACQAAAASAAAAAAAAAABAAAAAAAAAAEAAABQAAAAAAAAAAAA4D8AAAAAAADgPwAAAAAAAOA/AAAAAAAA4D8AAAAAAADgPwAAAAAAAOA/AAAAAAAA4D8AAAAAAADgPwAAAAAAAOA/AAAAAAAA4D8CAAAAjAAAAAAAAAAAAAAAu+DjDP///wgAAAAAAAAAAAAAAAAAAAAAAAAAAAAAAAAAAAAAZAAAAAEAAABAAAAAAAAAAAAAAAAAAAAAAAAAAAAAAAAAAAAAAAAAAAAAAAAAAAAAAAAAAAAAAAAAAAAAAAAAAAAAAAAAAAAAAAAAAAAAAAAAAAAAAAAAAAAAAAAAAAAAFAAAADwAAAAAAAAAAAAAAAAAAAkUAAAAAQAAABQAAAAUAAAAFAAAAAEAAAAAAAAAZAAAAGQAAAAAAAAAZAAAAGQAAAAVAAAAYAAAAAAAAAAAAAAADwAAACADAAAAAAAAAAAAAAEAAACgMgAAVgcAAKr4//8BAAAAf39/AAEAAABkAAAAAAAAABQAAABAHwAAAAAAACYAAAAAAAAAwOD//wAAAAAmAAAAZAAAABYAAABMAAAAAAAAAAAAAAAEAAAAAAAAAAEAAACAgIAKAAAAACgAAAAoAAAAZAAAAGQAAAAAAAAAzMzMAAAAAABQAAAAUAAAAGQAAABkAAAAAAAAABcAAAAUAAAAAAAAAAAAAAD/fwAA/38AAAAAAAAJAAAABAAAAAAAAAAeAAAAaAAAAAAAAAAAAAAAAAAAAAAAAAAAAAAAECcAABAnAAAAAAAAAAAAAAAAAAAAAAAAAAAAAAAAAAAAAAAAAAAAABQAAAAAAAAAwMD/AAAAAABkAAAAMgAAAAAAAABkAAAAAAAAAH9/fwAKAAAAIgAAABgAAAAAAAAAAAAAAAAAAAAAAAAAAAAAAAAAAAAkAAAAJAAAAAAAAAAHAAAAAAAAAAAAAAAAAAAAAAAAAAAAAAAAAAAAf39/ACUAAABYAAAAAAAAAAAAAAAAAAAAAAAAAAAAAAAAAAAAAAAAAAAAAAAAAAAAAAAAAAAAAAA/AAAAAAAAAKCGAQAAAAAAAAAAAAAAAAAMAAAAAQAAAAAAAAAAAAAAAAAAAB8AAABUAAAAAAAABQAAAAEAAAAAAAAAAAAAAAAAAAAAAAAAAAAAAAAAAAAAAAAAAAAAAAJ/f38AAAAAA8zMzADAwP8Af39/AAAAAAAAAAAAAAAAAAAAAAAAAAAAIQAAABgAAAAUAAAAwAMAABsnAAA/FQAAWSkAABAAAAAmAAAACAAAAAAAAAAAAAAA"/>
               </a:ext>
             </a:extLst>
           </p:cNvSpPr>
@@ -1437,7 +1439,7 @@
           <a:lstStyle/>
           <a:p>
             <a:pPr/>
-            <a:fld id="{1B0EB58D-C3F6-5B43-B8B6-3516FBF84E60}" type="datetime1">
+            <a:fld id="{0DCF66FA-B4E0-9A90-AE77-42C528395817}" type="datetime1">
               <a:t>12/16/2025</a:t>
             </a:fld>
           </a:p>
@@ -1450,7 +1452,7 @@
             <a:spLocks noGrp="1" noChangeArrowheads="1"/>
             <a:extLst>
               <a:ext uri="smNativeData">
-                <pr:smNativeData xmlns:pr="smNativeData" xmlns="smNativeData" val="SMDATA_15_SSBGaRMAAAAlAAAAZAAAAA0AAAAAkAAAAEgAAACQAAAASAAAAAAAAAABAAAAAAAAAAEAAABQAAAAAAAAAAAA4D8AAAAAAADgPwAAAAAAAOA/AAAAAAAA4D8AAAAAAADgPwAAAAAAAOA/AAAAAAAA4D8AAAAAAADgPwAAAAAAAOA/AAAAAAAA4D8CAAAAjAAAAAAAAAAAAAAAu+DjDP///wgAAAAAAAAAAAAAAAAAAAAAAAAAAAAAAAAAAAAAZAAAAAEAAABAAAAAAAAAAAAAAAAAAAAAAAAAAAAAAAAAAAAAAAAAAAAAAAAAAAAAAAAAAAAAAAAAAAAAAAAAAAAAAAAAAAAAAAAAAAAAAAAAAAAAAAAAAAAAAAAAAAAAFAAAADwAAAAAAAAAAAAAAAAAAAkUAAAAAQAAABQAAAAUAAAAFAAAAAEAAAAAAAAAZAAAAGQAAAAAAAAAZAAAAGQAAAAVAAAAYAAAAAAAAAAAAAAADwAAACADAAAAAAAAAAAAAAEAAACgMgAAVgcAAKr4//8BAAAAf39/AAEAAABkAAAAAAAAABQAAABAHwAAAAAAACYAAAAAAAAAwOD//wAAAAAmAAAAZAAAABYAAABMAAAAAAAAAAAAAAAEAAAAAAAAAAEAAACAgIAKAAAAACgAAAAoAAAAZAAAAGQAAAAAAAAAzMzMAAAAAABQAAAAUAAAAGQAAABkAAAAAAAAABcAAAAUAAAAAAAAAAAAAAD/fwAA/38AAAAAAAAJAAAABAAAAAAAAAAeAAAAaAAAAAAAAAAAAAAAAAAAAAAAAAAAAAAAECcAABAnAAAAAAAAAAAAAAAAAAAAAAAAAAAAAAAAAAAAAAAAAAAAABQAAAAAAAAAwMD/AAAAAABkAAAAMgAAAAAAAABkAAAAAAAAAH9/fwAKAAAAIgAAABgAAAAAAAAAAAAAAAAAAAAAAAAAAAAAAAAAAAAkAAAAJAAAAAAAAAAHAAAAAAAAAAAAAAAAAAAAAAAAAAAAAAAAAAAAf39/ACUAAABYAAAAAAAAAAAAAAAAAAAAAAAAAAAAAAAAAAAAAAAAAAAAAAAAAAAAAAAAAAAAAAA/AAAAAAAAAKCGAQAAAAAAAAAAAAAAAAAMAAAAAQAAAAAAAAAAAAAAAAAAAB8AAABUAAAAAAAABQAAAAEAAAAAAAAAAAAAAAAAAAAAAAAAAAAAAAAAAAAAAAAAAAAAAAJ/f38AAAAAA8zMzADAwP8Af39/AAAAAAAAAAAAAAAAAAAAAAAAAAAAIQAAABgAAAAUAAAAoRkAABsnAABfMQAAWSkAABAAAAAmAAAACAAAAAAAAAAAAAAA"/>
+                <pr:smNativeData xmlns:pr="smNativeData" xmlns="smNativeData" val="SMDATA_15_msZJaRMAAAAlAAAAZAAAAA0AAAAAkAAAAEgAAACQAAAASAAAAAAAAAABAAAAAAAAAAEAAABQAAAAAAAAAAAA4D8AAAAAAADgPwAAAAAAAOA/AAAAAAAA4D8AAAAAAADgPwAAAAAAAOA/AAAAAAAA4D8AAAAAAADgPwAAAAAAAOA/AAAAAAAA4D8CAAAAjAAAAAAAAAAAAAAAu+DjDP///wgAAAAAAAAAAAAAAAAAAAAAAAAAAAAAAAAAAAAAZAAAAAEAAABAAAAAAAAAAAAAAAAAAAAAAAAAAAAAAAAAAAAAAAAAAAAAAAAAAAAAAAAAAAAAAAAAAAAAAAAAAAAAAAAAAAAAAAAAAAAAAAAAAAAAAAAAAAAAAAAAAAAAFAAAADwAAAAAAAAAAAAAAAAAAAkUAAAAAQAAABQAAAAUAAAAFAAAAAEAAAAAAAAAZAAAAGQAAAAAAAAAZAAAAGQAAAAVAAAAYAAAAAAAAAAAAAAADwAAACADAAAAAAAAAAAAAAEAAACgMgAAVgcAAKr4//8BAAAAf39/AAEAAABkAAAAAAAAABQAAABAHwAAAAAAACYAAAAAAAAAwOD//wAAAAAmAAAAZAAAABYAAABMAAAAAAAAAAAAAAAEAAAAAAAAAAEAAACAgIAKAAAAACgAAAAoAAAAZAAAAGQAAAAAAAAAzMzMAAAAAABQAAAAUAAAAGQAAABkAAAAAAAAABcAAAAUAAAAAAAAAAAAAAD/fwAA/38AAAAAAAAJAAAABAAAAAAAAAAeAAAAaAAAAAAAAAAAAAAAAAAAAAAAAAAAAAAAECcAABAnAAAAAAAAAAAAAAAAAAAAAAAAAAAAAAAAAAAAAAAAAAAAABQAAAAAAAAAwMD/AAAAAABkAAAAMgAAAAAAAABkAAAAAAAAAH9/fwAKAAAAIgAAABgAAAAAAAAAAAAAAAAAAAAAAAAAAAAAAAAAAAAkAAAAJAAAAAAAAAAHAAAAAAAAAAAAAAAAAAAAAAAAAAAAAAAAAAAAf39/ACUAAABYAAAAAAAAAAAAAAAAAAAAAAAAAAAAAAAAAAAAAAAAAAAAAAAAAAAAAAAAAAAAAAA/AAAAAAAAAKCGAQAAAAAAAAAAAAAAAAAMAAAAAQAAAAAAAAAAAAAAAAAAAB8AAABUAAAAAAAABQAAAAEAAAAAAAAAAAAAAAAAAAAAAAAAAAAAAAAAAAAAAAAAAAAAAAJ/f38AAAAAA8zMzADAwP8Af39/AAAAAAAAAAAAAAAAAAAAAAAAAAAAIQAAABgAAAAUAAAAoRkAABsnAABfMQAAWSkAABAAAAAmAAAACAAAAAAAAAAAAAAA"/>
               </a:ext>
             </a:extLst>
           </p:cNvSpPr>
@@ -1474,7 +1476,7 @@
             <a:spLocks noGrp="1" noChangeArrowheads="1"/>
             <a:extLst>
               <a:ext uri="smNativeData">
-                <pr:smNativeData xmlns:pr="smNativeData" xmlns="smNativeData" val="SMDATA_15_SSBGaRMAAAAlAAAAZAAAAA0AAAAAkAAAAEgAAACQAAAASAAAAAAAAAABAAAAAAAAAAEAAABQAAAAAAAAAAAA4D8AAAAAAADgPwAAAAAAAOA/AAAAAAAA4D8AAAAAAADgPwAAAAAAAOA/AAAAAAAA4D8AAAAAAADgPwAAAAAAAOA/AAAAAAAA4D8CAAAAjAAAAAAAAAAAAAAAu+DjDP///wgAAAAAAAAAAAAAAAAAAAAAAAAAAAAAAAAAAAAAZAAAAAEAAABAAAAAAAAAAAAAAAAAAAAAAAAAAAAAAAAAAAAAAAAAAAAAAAAAAAAAAAAAAAAAAAAAAAAAAAAAAAAAAAAAAAAAAAAAAAAAAAAAAAAAAAAAAAAAAAAAAAAAFAAAADwAAAAAAAAAAAAAAAAAAAkUAAAAAQAAABQAAAAUAAAAFAAAAAEAAAAAAAAAZAAAAGQAAAAAAAAAZAAAAGQAAAAVAAAAYAAAAAAAAAAAAAAADwAAACADAAAAAAAAAAAAAAEAAACgMgAAVgcAAKr4//8BAAAAf39/AAEAAABkAAAAAAAAABQAAABAHwAAAAAAACYAAAAAAAAAwOD//wAAAAAmAAAAZAAAABYAAABMAAAAAAAAAAAAAAAEAAAAAAAAAAEAAACAgIAKAAAAACgAAAAoAAAAZAAAAGQAAAAAAAAAzMzMAAAAAABQAAAAUAAAAGQAAABkAAAAAAAAABcAAAAUAAAAAAAAAAAAAAD/fwAA/38AAAAAAAAJAAAABAAAAOrv9v8eAAAAaAAAAAAAAAAAAAAAAAAAAAAAAAAAAAAAECcAABAnAAAAAAAAAAAAAAAAAAAAAAAAAAAAAAAAAAAAAAAAAAAAABQAAAAAAAAAwMD/AAAAAABkAAAAMgAAAAAAAABkAAAAAAAAAH9/fwAKAAAAIgAAABgAAAAAAAAAAAAAAAAAAAAAAAAAAAAAAAAAAAAkAAAAJAAAAAAAAAAHAAAAAAAAAAAAAAAAAAAAAAAAAAAAAAAAAAAAf39/ACUAAABYAAAAAAAAAAAAAAAAAAAAAAAAAAAAAAAAAAAAAAAAAAAAAAAAAAAAAAAAAAAAAAA/AAAAAAAAAKCGAQAAAAAAAAAAAAAAAAAMAAAAAQAAAAAAAAAAAAAAAAAAAB8AAABUAAAAAAAABQAAAAEAAAAAAAAAAAAAAAAAAAAAAAAAAAAAAAAAAAAAAAAAAAAAAAJ/f38AAAAAA8zMzADAwP8Af39/AAAAAAAAAAAAAAAAAAAAAAAAAAAAIQAAABgAAAAUAAAAwTUAABsnAABARwAAWSkAABAAAAAmAAAACAAAAAAAAAAAAAAA"/>
+                <pr:smNativeData xmlns:pr="smNativeData" xmlns="smNativeData" val="SMDATA_15_msZJaRMAAAAlAAAAZAAAAA0AAAAAkAAAAEgAAACQAAAASAAAAAAAAAABAAAAAAAAAAEAAABQAAAAAAAAAAAA4D8AAAAAAADgPwAAAAAAAOA/AAAAAAAA4D8AAAAAAADgPwAAAAAAAOA/AAAAAAAA4D8AAAAAAADgPwAAAAAAAOA/AAAAAAAA4D8CAAAAjAAAAAAAAAAAAAAAu+DjDP///wgAAAAAAAAAAAAAAAAAAAAAAAAAAAAAAAAAAAAAZAAAAAEAAABAAAAAAAAAAAAAAAAAAAAAAAAAAAAAAAAAAAAAAAAAAAAAAAAAAAAAAAAAAAAAAAAAAAAAAAAAAAAAAAAAAAAAAAAAAAAAAAAAAAAAAAAAAAAAAAAAAAAAFAAAADwAAAAAAAAAAAAAAAAAAAkUAAAAAQAAABQAAAAUAAAAFAAAAAEAAAAAAAAAZAAAAGQAAAAAAAAAZAAAAGQAAAAVAAAAYAAAAAAAAAAAAAAADwAAACADAAAAAAAAAAAAAAEAAACgMgAAVgcAAKr4//8BAAAAf39/AAEAAABkAAAAAAAAABQAAABAHwAAAAAAACYAAAAAAAAAwOD//wAAAAAmAAAAZAAAABYAAABMAAAAAAAAAAAAAAAEAAAAAAAAAAEAAACAgIAKAAAAACgAAAAoAAAAZAAAAGQAAAAAAAAAzMzMAAAAAABQAAAAUAAAAGQAAABkAAAAAAAAABcAAAAUAAAAAAAAAAAAAAD/fwAA/38AAAAAAAAJAAAABAAAAOrv9v8eAAAAaAAAAAAAAAAAAAAAAAAAAAAAAAAAAAAAECcAABAnAAAAAAAAAAAAAAAAAAAAAAAAAAAAAAAAAAAAAAAAAAAAABQAAAAAAAAAwMD/AAAAAABkAAAAMgAAAAAAAABkAAAAAAAAAH9/fwAKAAAAIgAAABgAAAAAAAAAAAAAAAAAAAAAAAAAAAAAAAAAAAAkAAAAJAAAAAAAAAAHAAAAAAAAAAAAAAAAAAAAAAAAAAAAAAAAAAAAf39/ACUAAABYAAAAAAAAAAAAAAAAAAAAAAAAAAAAAAAAAAAAAAAAAAAAAAAAAAAAAAAAAAAAAAA/AAAAAAAAAKCGAQAAAAAAAAAAAAAAAAAMAAAAAQAAAAAAAAAAAAAAAAAAAB8AAABUAAAAAAAABQAAAAEAAAAAAAAAAAAAAAAAAAAAAAAAAAAAAAAAAAAAAAAAAAAAAAJ/f38AAAAAA8zMzADAwP8Af39/AAAAAAAAAAAAAAAAAAAAAAAAAAAAIQAAABgAAAAUAAAAwTUAABsnAABARwAAWSkAABAAAAAmAAAACAAAAAAAAAAAAAAA"/>
               </a:ext>
             </a:extLst>
           </p:cNvSpPr>
@@ -1488,7 +1490,7 @@
           <a:lstStyle/>
           <a:p>
             <a:pPr/>
-            <a:fld id="{1B0E94F4-BAF6-5B62-B8B6-4C37DAF84E19}" type="slidenum">
+            <a:fld id="{0DCF66F7-B9E0-9A90-AE77-4FC52839581A}" type="slidenum">
               <a:t>‹#›</a:t>
             </a:fld>
           </a:p>
@@ -1527,7 +1529,7 @@
             <a:spLocks noGrp="1" noChangeArrowheads="1"/>
             <a:extLst>
               <a:ext uri="smNativeData">
-                <pr:smNativeData xmlns:pr="smNativeData" xmlns="smNativeData" val="SMDATA_15_SSBGaRMAAAAlAAAAZAAAAA0AAAAAkAAAAEgAAACQAAAASAAAAAAAAAABAAAAAAAAAAEAAABQAAAAAAAAAAAA4D8AAAAAAADgPwAAAAAAAOA/AAAAAAAA4D8AAAAAAADgPwAAAAAAAOA/AAAAAAAA4D8AAAAAAADgPwAAAAAAAOA/AAAAAAAA4D8CAAAAjAAAAAAAAAAAAAAAu+DjDP///wgAAAAAAAAAAAAAAAAAAAAAAAAAAAAAAAAAAAAAZAAAAAEAAABAAAAAAAAAAAAAAAAAAAAAAAAAAAAAAAAAAAAAAAAAAAAAAAAAAAAAAAAAAAAAAAAAAAAAAAAAAAAAAAAAAAAAAAAAAAAAAAAAAAAAAAAAAAAAAAAAAAAAFAAAADwAAAAAAAAAAAAAAAAAAAkUAAAAAQAAABQAAAAUAAAAFAAAAAEAAAAAAAAAZAAAAGQAAAAAAAAAZAAAAGQAAAAVAAAAYAAAAAAAAAAAAAAADwAAACADAAAAAAAAAAAAAAEAAACgMgAAVgcAAKr4//8BAAAAf39/AAEAAABkAAAAAAAAABQAAABAHwAAAAAAACYAAAAAAAAAwOD//wAAAAAmAAAAZAAAABYAAABMAAAAAAAAAAAAAAAEAAAAAAAAAAEAAACAgIAKAAAAACgAAAAoAAAAZAAAAGQAAAAAAAAAzMzMAAAAAABQAAAAUAAAAGQAAABkAAAAAAAAABcAAAAUAAAAAAAAAAAAAAD/fwAA/38AAAAAAAAJAAAABAAAAPL1+v8eAAAAaAAAAAAAAAAAAAAAAAAAAAAAAAAAAAAAECcAABAnAAAAAAAAAAAAAAAAAAAAAAAAAAAAAAAAAAAAAAAAAAAAABQAAAAAAAAAwMD/AAAAAABkAAAAMgAAAAAAAABkAAAAAAAAAH9/fwAKAAAAIgAAABgAAAAAAAAAAAAAAAAAAAAAAAAAAAAAAAAAAAAkAAAAJAAAAAAAAAAHAAAAAAAAAAAAAAAAAAAAAAAAAAAAAAAAAAAAf39/ACUAAABYAAAAAAAAAAAAAAAAAAAAAAAAAAAAAAAAAAAAAAAAAAAAAAAAAAAAAAAAAAAAAAA/AAAAAAAAAKCGAQAAAAAAAAAAAAAAAAAMAAAAAQAAAAAAAAAAAAAAAAAAAB8AAABUAAAAAAAABQAAAAEAAAAAAAAAAAAAAAAAAAAAAAAAAAAAAAAAAAAAAAAAAAAAAAJ/f38AAAAAA8zMzADAwP8Af39/AAAAAAAAAAAAAAAAAAAAAAAAAAAAIQAAABgAAAAUAAAAwAMAALABAABARwAAuAgAABAAAAAmAAAACAAAAAAAAAAAAAAA"/>
+                <pr:smNativeData xmlns:pr="smNativeData" xmlns="smNativeData" val="SMDATA_15_msZJaRMAAAAlAAAAZAAAAA0AAAAAkAAAAEgAAACQAAAASAAAAAAAAAABAAAAAAAAAAEAAABQAAAAAAAAAAAA4D8AAAAAAADgPwAAAAAAAOA/AAAAAAAA4D8AAAAAAADgPwAAAAAAAOA/AAAAAAAA4D8AAAAAAADgPwAAAAAAAOA/AAAAAAAA4D8CAAAAjAAAAAAAAAAAAAAAu+DjDP///wgAAAAAAAAAAAAAAAAAAAAAAAAAAAAAAAAAAAAAZAAAAAEAAABAAAAAAAAAAAAAAAAAAAAAAAAAAAAAAAAAAAAAAAAAAAAAAAAAAAAAAAAAAAAAAAAAAAAAAAAAAAAAAAAAAAAAAAAAAAAAAAAAAAAAAAAAAAAAAAAAAAAAFAAAADwAAAAAAAAAAAAAAAAAAAkUAAAAAQAAABQAAAAUAAAAFAAAAAEAAAAAAAAAZAAAAGQAAAAAAAAAZAAAAGQAAAAVAAAAYAAAAAAAAAAAAAAADwAAACADAAAAAAAAAAAAAAEAAACgMgAAVgcAAKr4//8BAAAAf39/AAEAAABkAAAAAAAAABQAAABAHwAAAAAAACYAAAAAAAAAwOD//wAAAAAmAAAAZAAAABYAAABMAAAAAAAAAAAAAAAEAAAAAAAAAAEAAACAgIAKAAAAACgAAAAoAAAAZAAAAGQAAAAAAAAAzMzMAAAAAABQAAAAUAAAAGQAAABkAAAAAAAAABcAAAAUAAAAAAAAAAAAAAD/fwAA/38AAAAAAAAJAAAABAAAAPL1+v8eAAAAaAAAAAAAAAAAAAAAAAAAAAAAAAAAAAAAECcAABAnAAAAAAAAAAAAAAAAAAAAAAAAAAAAAAAAAAAAAAAAAAAAABQAAAAAAAAAwMD/AAAAAABkAAAAMgAAAAAAAABkAAAAAAAAAH9/fwAKAAAAIgAAABgAAAAAAAAAAAAAAAAAAAAAAAAAAAAAAAAAAAAkAAAAJAAAAAAAAAAHAAAAAAAAAAAAAAAAAAAAAAAAAAAAAAAAAAAAf39/ACUAAABYAAAAAAAAAAAAAAAAAAAAAAAAAAAAAAAAAAAAAAAAAAAAAAAAAAAAAAAAAAAAAAA/AAAAAAAAAKCGAQAAAAAAAAAAAAAAAAAMAAAAAQAAAAAAAAAAAAAAAAAAAB8AAABUAAAAAAAABQAAAAEAAAAAAAAAAAAAAAAAAAAAAAAAAAAAAAAAAAAAAAAAAAAAAAJ/f38AAAAAA8zMzADAwP8Af39/AAAAAAAAAAAAAAAAAAAAAAAAAAAAIQAAABgAAAAUAAAAwAMAALABAABARwAAuAgAABAAAAAmAAAACAAAAAAAAAAAAAAA"/>
               </a:ext>
             </a:extLst>
           </p:cNvSpPr>
@@ -1554,7 +1556,7 @@
             <a:spLocks noGrp="1" noChangeArrowheads="1"/>
             <a:extLst>
               <a:ext uri="smNativeData">
-                <pr:smNativeData xmlns:pr="smNativeData" xmlns="smNativeData" val="SMDATA_15_SSBGaRMAAAAlAAAAZAAAAA0AAAAAkAAAAEgAAACQAAAASAAAAAAAAAACAAAAAAAAAAEAAABQAAAAAAAAAAAA4D8AAAAAAADgPwAAAAAAAOA/AAAAAAAA4D8AAAAAAADgPwAAAAAAAOA/AAAAAAAA4D8AAAAAAADgPwAAAAAAAOA/AAAAAAAA4D8CAAAAjAAAAAAAAAAAAAAAu+DjDP///wgAAAAAAAAAAAAAAAAAAAAAAAAAAAAAAAAAAAAAZAAAAAEAAABAAAAAAAAAAAAAAAAAAAAAAAAAAAAAAAAAAAAAAAAAAAAAAAAAAAAAAAAAAAAAAAAAAAAAAAAAAAAAAAAAAAAAAAAAAAAAAAAAAAAAAAAAAAAAAAAAAAAAFAAAADwAAAAAAAAAAAAAAAAAAAkUAAAAAQAAABQAAAAUAAAAFAAAAAEAAAAAAAAAZAAAAGQAAAAAAAAAZAAAAGQAAAAVAAAAYAAAAAAAAAAAAAAADwAAACADAAAAAAAAAAAAAAEAAACgMgAAVgcAAKr4//8BAAAAf39/AAEAAABkAAAAAAAAABQAAABAHwAAAAAAACYAAAAAAAAAwOD//wAAAAAmAAAAZAAAABYAAABMAAAAAAAAAAAAAAAEAAAAAAAAAAEAAACAgIAKAAAAACgAAAAoAAAAZAAAAGQAAAAAAAAAzMzMAAAAAABQAAAAUAAAAGQAAABkAAAAAAAAABcAAAAUAAAAAAAAAAAAAAD/fwAA/38AAAAAAAAJAAAABAAAAAAAAAAeAAAAaAAAAAAAAAAAAAAAAAAAAAAAAAAAAAAAECcAABAnAAAAAAAAAAAAAAAAAAAAAAAAAAAAAAAAAAAAAAAAAAAAABQAAAAAAAAAwMD/AAAAAABkAAAAMgAAAAAAAABkAAAAAAAAAH9/fwAKAAAAIgAAABgAAAAAAAAAAAAAAAAAAAAAAAAAAAAAAAAAAAAkAAAAJAAAAAAAAAAHAAAAAAAAAAAAAAAAAAAAAAAAAAAAAAAAAAAAf39/ACUAAABYAAAAAAAAAAAAAAAAAAAAAAAAAAAAAAAAAAAAAAAAAAAAAAAAAAAAAAAAAAAAAAA/AAAAAAAAAKCGAQAAAAAAAAAAAAAAAAAMAAAAAQAAAAAAAAAAAAAAAAAAAB8AAABUAAAAAAAABQAAAAEAAAAAAAAAAAAAAAAAAAAAAAAAAAAAAAAAAAAAAAAAAAAAAAJ/f38AAAAAA8zMzADAwP8Af39/AAAAAAAAAAAAAAAAAAAAAAAAAAAAIQAAABgAAAAUAAAAwAMAAHEJAADjJAAAYQ0AABAAAAAmAAAACAAAAIGQAAAAAAAA"/>
+                <pr:smNativeData xmlns:pr="smNativeData" xmlns="smNativeData" val="SMDATA_15_msZJaRMAAAAlAAAAZAAAAA0AAAAAkAAAAEgAAACQAAAASAAAAAAAAAACAAAAAAAAAAEAAABQAAAAAAAAAAAA4D8AAAAAAADgPwAAAAAAAOA/AAAAAAAA4D8AAAAAAADgPwAAAAAAAOA/AAAAAAAA4D8AAAAAAADgPwAAAAAAAOA/AAAAAAAA4D8CAAAAjAAAAAAAAAAAAAAAu+DjDP///wgAAAAAAAAAAAAAAAAAAAAAAAAAAAAAAAAAAAAAZAAAAAEAAABAAAAAAAAAAAAAAAAAAAAAAAAAAAAAAAAAAAAAAAAAAAAAAAAAAAAAAAAAAAAAAAAAAAAAAAAAAAAAAAAAAAAAAAAAAAAAAAAAAAAAAAAAAAAAAAAAAAAAFAAAADwAAAAAAAAAAAAAAAAAAAkUAAAAAQAAABQAAAAUAAAAFAAAAAEAAAAAAAAAZAAAAGQAAAAAAAAAZAAAAGQAAAAVAAAAYAAAAAAAAAAAAAAADwAAACADAAAAAAAAAAAAAAEAAACgMgAAVgcAAKr4//8BAAAAf39/AAEAAABkAAAAAAAAABQAAABAHwAAAAAAACYAAAAAAAAAwOD//wAAAAAmAAAAZAAAABYAAABMAAAAAAAAAAAAAAAEAAAAAAAAAAEAAACAgIAKAAAAACgAAAAoAAAAZAAAAGQAAAAAAAAAzMzMAAAAAABQAAAAUAAAAGQAAABkAAAAAAAAABcAAAAUAAAAAAAAAAAAAAD/fwAA/38AAAAAAAAJAAAABAAAAAAAAAAeAAAAaAAAAAAAAAAAAAAAAAAAAAAAAAAAAAAAECcAABAnAAAAAAAAAAAAAAAAAAAAAAAAAAAAAAAAAAAAAAAAAAAAABQAAAAAAAAAwMD/AAAAAABkAAAAMgAAAAAAAABkAAAAAAAAAH9/fwAKAAAAIgAAABgAAAAAAAAAAAAAAAAAAAAAAAAAAAAAAAAAAAAkAAAAJAAAAAAAAAAHAAAAAAAAAAAAAAAAAAAAAAAAAAAAAAAAAAAAf39/ACUAAABYAAAAAAAAAAAAAAAAAAAAAAAAAAAAAAAAAAAAAAAAAAAAAAAAAAAAAAAAAAAAAAA/AAAAAAAAAKCGAQAAAAAAAAAAAAAAAAAMAAAAAQAAAAAAAAAAAAAAAAAAAB8AAABUAAAAAAAABQAAAAEAAAAAAAAAAAAAAAAAAAAAAAAAAAAAAAAAAAAAAAAAAAAAAAJ/f38AAAAAA8zMzADAwP8Af39/AAAAAAAAAAAAAAAAAAAAAAAAAAAAIQAAABgAAAAUAAAAwAMAAHEJAADjJAAAYQ0AABAAAAAmAAAACAAAAIGQAAAAAAAA"/>
               </a:ext>
             </a:extLst>
           </p:cNvSpPr>
@@ -1627,7 +1629,7 @@
             <a:spLocks noGrp="1" noChangeArrowheads="1"/>
             <a:extLst>
               <a:ext uri="smNativeData">
-                <pr:smNativeData xmlns:pr="smNativeData" xmlns="smNativeData" val="SMDATA_15_SSBGaRMAAAAlAAAAZAAAAA0AAAAAkAAAAEgAAACQAAAASAAAAAAAAAAAAAAAAAAAAAEAAABQAAAAAAAAAAAA4D8AAAAAAADgPwAAAAAAAOA/AAAAAAAA4D8AAAAAAADgPwAAAAAAAOA/AAAAAAAA4D8AAAAAAADgPwAAAAAAAOA/AAAAAAAA4D8CAAAAjAAAAAAAAAAAAAAAu+DjDP///wgAAAAAAAAAAAAAAAAAAAAAAAAAAAAAAAAAAAAAZAAAAAEAAABAAAAAAAAAAAAAAAAAAAAAAAAAAAAAAAAAAAAAAAAAAAAAAAAAAAAAAAAAAAAAAAAAAAAAAAAAAAAAAAAAAAAAAAAAAAAAAAAAAAAAAAAAAAAAAAAAAAAAFAAAADwAAAAAAAAAAAAAAAAAAAkUAAAAAQAAABQAAAAUAAAAFAAAAAEAAAAAAAAAZAAAAGQAAAAAAAAAZAAAAGQAAAAVAAAAYAAAAAAAAAAAAAAADwAAACADAAAAAAAAAAAAAAEAAACgMgAAVgcAAKr4//8BAAAAf39/AAEAAABkAAAAAAAAABQAAABAHwAAAAAAACYAAAAAAAAAwOD//wAAAAAmAAAAZAAAABYAAABMAAAAAAAAAAAAAAAEAAAAAAAAAAEAAACAgIAKAAAAACgAAAAoAAAAZAAAAGQAAAAAAAAAzMzMAAAAAABQAAAAUAAAAGQAAABkAAAAAAAAABcAAAAUAAAAAAAAAAAAAAD/fwAA/38AAAAAAAAJAAAABAAAAAAAAAAeAAAAaAAAAAAAAAAAAAAAAAAAAAAAAAAAAAAAECcAABAnAAAAAAAAAAAAAAAAAAAAAAAAAAAAAAAAAAAAAAAAAAAAABQAAAAAAAAAwMD/AAAAAABkAAAAMgAAAAAAAABkAAAAAAAAAH9/fwAKAAAAIgAAABgAAAAAAAAAAAAAAAAAAAAAAAAAAAAAAAAAAAAkAAAAJAAAAAAAAAAHAAAAAAAAAAAAAAAAAAAAAAAAAAAAAAAAAAAAf39/ACUAAABYAAAAAAAAAAAAAAAAAAAAAAAAAAAAAAAAAAAAAAAAAAAAAAAAAAAAAAAAAAAAAAA/AAAAAAAAAKCGAQAAAAAAAAAAAAAAAAAMAAAAAQAAAAAAAAAAAAAAAAAAAB8AAABUAAAAAAAABQAAAAEAAAAAAAAAAAAAAAAAAAAAAAAAAAAAAAAAAAAAAAAAAAAAAAJ/f38AAAAAA8zMzADAwP8Af39/AAAAAAAAAAAAAAAAAAAAAAAAAAAAIQAAABgAAAAUAAAAwAMAAGENAADjJAAAsCUAABAAAAAmAAAACAAAAAGAAAAAAAAA"/>
+                <pr:smNativeData xmlns:pr="smNativeData" xmlns="smNativeData" val="SMDATA_15_msZJaRMAAAAlAAAAZAAAAA0AAAAAkAAAAEgAAACQAAAASAAAAAAAAAAAAAAAAAAAAAEAAABQAAAAAAAAAAAA4D8AAAAAAADgPwAAAAAAAOA/AAAAAAAA4D8AAAAAAADgPwAAAAAAAOA/AAAAAAAA4D8AAAAAAADgPwAAAAAAAOA/AAAAAAAA4D8CAAAAjAAAAAAAAAAAAAAAu+DjDP///wgAAAAAAAAAAAAAAAAAAAAAAAAAAAAAAAAAAAAAZAAAAAEAAABAAAAAAAAAAAAAAAAAAAAAAAAAAAAAAAAAAAAAAAAAAAAAAAAAAAAAAAAAAAAAAAAAAAAAAAAAAAAAAAAAAAAAAAAAAAAAAAAAAAAAAAAAAAAAAAAAAAAAFAAAADwAAAAAAAAAAAAAAAAAAAkUAAAAAQAAABQAAAAUAAAAFAAAAAEAAAAAAAAAZAAAAGQAAAAAAAAAZAAAAGQAAAAVAAAAYAAAAAAAAAAAAAAADwAAACADAAAAAAAAAAAAAAEAAACgMgAAVgcAAKr4//8BAAAAf39/AAEAAABkAAAAAAAAABQAAABAHwAAAAAAACYAAAAAAAAAwOD//wAAAAAmAAAAZAAAABYAAABMAAAAAAAAAAAAAAAEAAAAAAAAAAEAAACAgIAKAAAAACgAAAAoAAAAZAAAAGQAAAAAAAAAzMzMAAAAAABQAAAAUAAAAGQAAABkAAAAAAAAABcAAAAUAAAAAAAAAAAAAAD/fwAA/38AAAAAAAAJAAAABAAAAAAAAAAeAAAAaAAAAAAAAAAAAAAAAAAAAAAAAAAAAAAAECcAABAnAAAAAAAAAAAAAAAAAAAAAAAAAAAAAAAAAAAAAAAAAAAAABQAAAAAAAAAwMD/AAAAAABkAAAAMgAAAAAAAABkAAAAAAAAAH9/fwAKAAAAIgAAABgAAAAAAAAAAAAAAAAAAAAAAAAAAAAAAAAAAAAkAAAAJAAAAAAAAAAHAAAAAAAAAAAAAAAAAAAAAAAAAAAAAAAAAAAAf39/ACUAAABYAAAAAAAAAAAAAAAAAAAAAAAAAAAAAAAAAAAAAAAAAAAAAAAAAAAAAAAAAAAAAAA/AAAAAAAAAKCGAQAAAAAAAAAAAAAAAAAMAAAAAQAAAAAAAAAAAAAAAAAAAB8AAABUAAAAAAAABQAAAAEAAAAAAAAAAAAAAAAAAAAAAAAAAAAAAAAAAAAAAAAAAAAAAAJ/f38AAAAAA8zMzADAwP8Af39/AAAAAAAAAAAAAAAAAAAAAAAAAAAAIQAAABgAAAAUAAAAwAMAAGENAADjJAAAsCUAABAAAAAmAAAACAAAAAGAAAAAAAAA"/>
               </a:ext>
             </a:extLst>
           </p:cNvSpPr>
@@ -1711,7 +1713,7 @@
             <a:spLocks noGrp="1" noChangeArrowheads="1"/>
             <a:extLst>
               <a:ext uri="smNativeData">
-                <pr:smNativeData xmlns:pr="smNativeData" xmlns="smNativeData" val="SMDATA_15_SSBGaRMAAAAlAAAAZAAAAA0AAAAAkAAAAEgAAACQAAAASAAAAAAAAAACAAAAAAAAAAEAAABQAAAAAAAAAAAA4D8AAAAAAADgPwAAAAAAAOA/AAAAAAAA4D8AAAAAAADgPwAAAAAAAOA/AAAAAAAA4D8AAAAAAADgPwAAAAAAAOA/AAAAAAAA4D8CAAAAjAAAAAAAAAAAAAAAu+DjDP///wgAAAAAAAAAAAAAAAAAAAAAAAAAAAAAAAAAAAAAZAAAAAEAAABAAAAAAAAAAAAAAAAAAAAAAAAAAAAAAAAAAAAAAAAAAAAAAAAAAAAAAAAAAAAAAAAAAAAAAAAAAAAAAAAAAAAAAAAAAAAAAAAAAAAAAAAAAAAAAAAAAAAAFAAAADwAAAAAAAAAAAAAAAAAAAkUAAAAAQAAABQAAAAUAAAAFAAAAAEAAAAAAAAAZAAAAGQAAAAAAAAAZAAAAGQAAAAVAAAAYAAAAAAAAAAAAAAADwAAACADAAAAAAAAAAAAAAEAAACgMgAAVgcAAKr4//8BAAAAf39/AAEAAABkAAAAAAAAABQAAABAHwAAAAAAACYAAAAAAAAAwOD//wAAAAAmAAAAZAAAABYAAABMAAAAAAAAAAAAAAAEAAAAAAAAAAEAAACAgIAKAAAAACgAAAAoAAAAZAAAAGQAAAAAAAAAzMzMAAAAAABQAAAAUAAAAGQAAABkAAAAAAAAABcAAAAUAAAAAAAAAAAAAAD/fwAA/38AAAAAAAAJAAAABAAAAPL1+v8eAAAAaAAAAAAAAAAAAAAAAAAAAAAAAAAAAAAAECcAABAnAAAAAAAAAAAAAAAAAAAAAAAAAAAAAAAAAAAAAAAAAAAAABQAAAAAAAAAwMD/AAAAAABkAAAAMgAAAAAAAABkAAAAAAAAAH9/fwAKAAAAIgAAABgAAAAAAAAAAAAAAAAAAAAAAAAAAAAAAAAAAAAkAAAAJAAAAAAAAAAHAAAAAAAAAAAAAAAAAAAAAAAAAAAAAAAAAAAAf39/ACUAAABYAAAAAAAAAAAAAAAAAAAAAAAAAAAAAAAAAAAAAAAAAAAAAAAAAAAAAAAAAAAAAAA/AAAAAAAAAKCGAQAAAAAAAAAAAAAAAAAMAAAAAQAAAAAAAAAAAAAAAAAAAB8AAABUAAAAAAAABQAAAAEAAAAAAAAAAAAAAAAAAAAAAAAAAAAAAAAAAAAAAAAAAAAAAAJ/f38AAAAAA8zMzADAwP8Af39/AAAAAAAAAAAAAAAAAAAAAAAAAAAAIQAAABgAAAAUAAAAHSYAAHEJAABARwAAYQ0AABAAAAAmAAAACAAAAIGQAAAAAAAA"/>
+                <pr:smNativeData xmlns:pr="smNativeData" xmlns="smNativeData" val="SMDATA_15_msZJaRMAAAAlAAAAZAAAAA0AAAAAkAAAAEgAAACQAAAASAAAAAAAAAACAAAAAAAAAAEAAABQAAAAAAAAAAAA4D8AAAAAAADgPwAAAAAAAOA/AAAAAAAA4D8AAAAAAADgPwAAAAAAAOA/AAAAAAAA4D8AAAAAAADgPwAAAAAAAOA/AAAAAAAA4D8CAAAAjAAAAAAAAAAAAAAAu+DjDP///wgAAAAAAAAAAAAAAAAAAAAAAAAAAAAAAAAAAAAAZAAAAAEAAABAAAAAAAAAAAAAAAAAAAAAAAAAAAAAAAAAAAAAAAAAAAAAAAAAAAAAAAAAAAAAAAAAAAAAAAAAAAAAAAAAAAAAAAAAAAAAAAAAAAAAAAAAAAAAAAAAAAAAFAAAADwAAAAAAAAAAAAAAAAAAAkUAAAAAQAAABQAAAAUAAAAFAAAAAEAAAAAAAAAZAAAAGQAAAAAAAAAZAAAAGQAAAAVAAAAYAAAAAAAAAAAAAAADwAAACADAAAAAAAAAAAAAAEAAACgMgAAVgcAAKr4//8BAAAAf39/AAEAAABkAAAAAAAAABQAAABAHwAAAAAAACYAAAAAAAAAwOD//wAAAAAmAAAAZAAAABYAAABMAAAAAAAAAAAAAAAEAAAAAAAAAAEAAACAgIAKAAAAACgAAAAoAAAAZAAAAGQAAAAAAAAAzMzMAAAAAABQAAAAUAAAAGQAAABkAAAAAAAAABcAAAAUAAAAAAAAAAAAAAD/fwAA/38AAAAAAAAJAAAABAAAAPL1+v8eAAAAaAAAAAAAAAAAAAAAAAAAAAAAAAAAAAAAECcAABAnAAAAAAAAAAAAAAAAAAAAAAAAAAAAAAAAAAAAAAAAAAAAABQAAAAAAAAAwMD/AAAAAABkAAAAMgAAAAAAAABkAAAAAAAAAH9/fwAKAAAAIgAAABgAAAAAAAAAAAAAAAAAAAAAAAAAAAAAAAAAAAAkAAAAJAAAAAAAAAAHAAAAAAAAAAAAAAAAAAAAAAAAAAAAAAAAAAAAf39/ACUAAABYAAAAAAAAAAAAAAAAAAAAAAAAAAAAAAAAAAAAAAAAAAAAAAAAAAAAAAAAAAAAAAA/AAAAAAAAAKCGAQAAAAAAAAAAAAAAAAAMAAAAAQAAAAAAAAAAAAAAAAAAAB8AAABUAAAAAAAABQAAAAEAAAAAAAAAAAAAAAAAAAAAAAAAAAAAAAAAAAAAAAAAAAAAAAJ/f38AAAAAA8zMzADAwP8Af39/AAAAAAAAAAAAAAAAAAAAAAAAAAAAIQAAABgAAAAUAAAAHSYAAHEJAABARwAAYQ0AABAAAAAmAAAACAAAAIGQAAAAAAAA"/>
               </a:ext>
             </a:extLst>
           </p:cNvSpPr>
@@ -1784,7 +1786,7 @@
             <a:spLocks noGrp="1" noChangeArrowheads="1"/>
             <a:extLst>
               <a:ext uri="smNativeData">
-                <pr:smNativeData xmlns:pr="smNativeData" xmlns="smNativeData" val="SMDATA_15_SSBGaRMAAAAlAAAAZAAAAA0AAAAAkAAAAEgAAACQAAAASAAAAAAAAAAAAAAAAAAAAAEAAABQAAAAAAAAAAAA4D8AAAAAAADgPwAAAAAAAOA/AAAAAAAA4D8AAAAAAADgPwAAAAAAAOA/AAAAAAAA4D8AAAAAAADgPwAAAAAAAOA/AAAAAAAA4D8CAAAAjAAAAAAAAAAAAAAAu+DjDP///wgAAAAAAAAAAAAAAAAAAAAAAAAAAAAAAAAAAAAAZAAAAAEAAABAAAAAAAAAAAAAAAAAAAAAAAAAAAAAAAAAAAAAAAAAAAAAAAAAAAAAAAAAAAAAAAAAAAAAAAAAAAAAAAAAAAAAAAAAAAAAAAAAAAAAAAAAAAAAAAAAAAAAFAAAADwAAAAAAAAAAAAAAAAAAAkUAAAAAQAAABQAAAAUAAAAFAAAAAEAAAAAAAAAZAAAAGQAAAAAAAAAZAAAAGQAAAAVAAAAYAAAAAAAAAAAAAAADwAAACADAAAAAAAAAAAAAAEAAACgMgAAVgcAAKr4//8BAAAAf39/AAEAAABkAAAAAAAAABQAAABAHwAAAAAAACYAAAAAAAAAwOD//wAAAAAmAAAAZAAAABYAAABMAAAAAAAAAAAAAAAEAAAAAAAAAAEAAACAgIAKAAAAACgAAAAoAAAAZAAAAGQAAAAAAAAAzMzMAAAAAABQAAAAUAAAAGQAAABkAAAAAAAAABcAAAAUAAAAAAAAAAAAAAD/fwAA/38AAAAAAAAJAAAABAAAAJ/J8f8eAAAAaAAAAAAAAAAAAAAAAAAAAAAAAAAAAAAAECcAABAnAAAAAAAAAAAAAAAAAAAAAAAAAAAAAAAAAAAAAAAAAAAAABQAAAAAAAAAwMD/AAAAAABkAAAAMgAAAAAAAABkAAAAAAAAAH9/fwAKAAAAIgAAABgAAAAAAAAAAAAAAAAAAAAAAAAAAAAAAAAAAAAkAAAAJAAAAAAAAAAHAAAAAAAAAAAAAAAAAAAAAAAAAAAAAAAAAAAAf39/ACUAAABYAAAAAAAAAAAAAAAAAAAAAAAAAAAAAAAAAAAAAAAAAAAAAAAAAAAAAAAAAAAAAAA/AAAAAAAAAKCGAQAAAAAAAAAAAAAAAAAMAAAAAQAAAAAAAAAAAAAAAAAAAB8AAABUAAAAAAAABQAAAAEAAAAAAAAAAAAAAAAAAAAAAAAAAAAAAAAAAAAAAAAAAAAAAAJ/f38AAAAAA8zMzADAwP8Af39/AAAAAAAAAAAAAAAAAAAAAAAAAAAAIQAAABgAAAAUAAAAHSYAAGENAABARwAAsCUAABAAAAAmAAAACAAAAAGAAAAAAAAA"/>
+                <pr:smNativeData xmlns:pr="smNativeData" xmlns="smNativeData" val="SMDATA_15_msZJaRMAAAAlAAAAZAAAAA0AAAAAkAAAAEgAAACQAAAASAAAAAAAAAAAAAAAAAAAAAEAAABQAAAAAAAAAAAA4D8AAAAAAADgPwAAAAAAAOA/AAAAAAAA4D8AAAAAAADgPwAAAAAAAOA/AAAAAAAA4D8AAAAAAADgPwAAAAAAAOA/AAAAAAAA4D8CAAAAjAAAAAAAAAAAAAAAu+DjDP///wgAAAAAAAAAAAAAAAAAAAAAAAAAAAAAAAAAAAAAZAAAAAEAAABAAAAAAAAAAAAAAAAAAAAAAAAAAAAAAAAAAAAAAAAAAAAAAAAAAAAAAAAAAAAAAAAAAAAAAAAAAAAAAAAAAAAAAAAAAAAAAAAAAAAAAAAAAAAAAAAAAAAAFAAAADwAAAAAAAAAAAAAAAAAAAkUAAAAAQAAABQAAAAUAAAAFAAAAAEAAAAAAAAAZAAAAGQAAAAAAAAAZAAAAGQAAAAVAAAAYAAAAAAAAAAAAAAADwAAACADAAAAAAAAAAAAAAEAAACgMgAAVgcAAKr4//8BAAAAf39/AAEAAABkAAAAAAAAABQAAABAHwAAAAAAACYAAAAAAAAAwOD//wAAAAAmAAAAZAAAABYAAABMAAAAAAAAAAAAAAAEAAAAAAAAAAEAAACAgIAKAAAAACgAAAAoAAAAZAAAAGQAAAAAAAAAzMzMAAAAAABQAAAAUAAAAGQAAABkAAAAAAAAABcAAAAUAAAAAAAAAAAAAAD/fwAA/38AAAAAAAAJAAAABAAAAJ/J8f8eAAAAaAAAAAAAAAAAAAAAAAAAAAAAAAAAAAAAECcAABAnAAAAAAAAAAAAAAAAAAAAAAAAAAAAAAAAAAAAAAAAAAAAABQAAAAAAAAAwMD/AAAAAABkAAAAMgAAAAAAAABkAAAAAAAAAH9/fwAKAAAAIgAAABgAAAAAAAAAAAAAAAAAAAAAAAAAAAAAAAAAAAAkAAAAJAAAAAAAAAAHAAAAAAAAAAAAAAAAAAAAAAAAAAAAAAAAAAAAf39/ACUAAABYAAAAAAAAAAAAAAAAAAAAAAAAAAAAAAAAAAAAAAAAAAAAAAAAAAAAAAAAAAAAAAA/AAAAAAAAAKCGAQAAAAAAAAAAAAAAAAAMAAAAAQAAAAAAAAAAAAAAAAAAAB8AAABUAAAAAAAABQAAAAEAAAAAAAAAAAAAAAAAAAAAAAAAAAAAAAAAAAAAAAAAAAAAAAJ/f38AAAAAA8zMzADAwP8Af39/AAAAAAAAAAAAAAAAAAAAAAAAAAAAIQAAABgAAAAUAAAAHSYAAGENAABARwAAsCUAABAAAAAmAAAACAAAAAGAAAAAAAAA"/>
               </a:ext>
             </a:extLst>
           </p:cNvSpPr>
@@ -1868,7 +1870,7 @@
             <a:spLocks noGrp="1" noChangeArrowheads="1"/>
             <a:extLst>
               <a:ext uri="smNativeData">
-                <pr:smNativeData xmlns:pr="smNativeData" xmlns="smNativeData" val="SMDATA_15_SSBGaRMAAAAlAAAAZAAAAA0AAAAAkAAAAEgAAACQAAAASAAAAAAAAAABAAAAAAAAAAEAAABQAAAAAAAAAAAA4D8AAAAAAADgPwAAAAAAAOA/AAAAAAAA4D8AAAAAAADgPwAAAAAAAOA/AAAAAAAA4D8AAAAAAADgPwAAAAAAAOA/AAAAAAAA4D8CAAAAjAAAAAAAAAAAAAAAu+DjDP///wgAAAAAAAAAAAAAAAAAAAAAAAAAAAAAAAAAAAAAZAAAAAEAAABAAAAAAAAAAAAAAAAAAAAAAAAAAAAAAAAAAAAAAAAAAAAAAAAAAAAAAAAAAAAAAAAAAAAAAAAAAAAAAAAAAAAAAAAAAAAAAAAAAAAAAAAAAAAAAAAAAAAAFAAAADwAAAAAAAAAAAAAAAAAAAkUAAAAAQAAABQAAAAUAAAAFAAAAAEAAAAAAAAAZAAAAGQAAAAAAAAAZAAAAGQAAAAVAAAAYAAAAAAAAAAAAAAADwAAACADAAAAAAAAAAAAAAEAAACgMgAAVgcAAKr4//8BAAAAf39/AAEAAABkAAAAAAAAABQAAABAHwAAAAAAACYAAAAAAAAAwOD//wAAAAAmAAAAZAAAABYAAABMAAAAAAAAAAAAAAAEAAAAAAAAAAEAAACAgIAKAAAAACgAAAAoAAAAZAAAAGQAAAAAAAAAzMzMAAAAAABQAAAAUAAAAGQAAABkAAAAAAAAABcAAAAUAAAAAAAAAAAAAAD/fwAA/38AAAAAAAAJAAAABAAAAOrv9v8eAAAAaAAAAAAAAAAAAAAAAAAAAAAAAAAAAAAAECcAABAnAAAAAAAAAAAAAAAAAAAAAAAAAAAAAAAAAAAAAAAAAAAAABQAAAAAAAAAwMD/AAAAAABkAAAAMgAAAAAAAABkAAAAAAAAAH9/fwAKAAAAIgAAABgAAAAAAAAAAAAAAAAAAAAAAAAAAAAAAAAAAAAkAAAAJAAAAAAAAAAHAAAAAAAAAAAAAAAAAAAAAAAAAAAAAAAAAAAAf39/ACUAAABYAAAAAAAAAAAAAAAAAAAAAAAAAAAAAAAAAAAAAAAAAAAAAAAAAAAAAAAAAAAAAAA/AAAAAAAAAKCGAQAAAAAAAAAAAAAAAAAMAAAAAQAAAAAAAAAAAAAAAAAAAB8AAABUAAAAAAAABQAAAAEAAAAAAAAAAAAAAAAAAAAAAAAAAAAAAAAAAAAAAAAAAAAAAAJ/f38AAAAAA8zMzADAwP8Af39/AAAAAAAAAAAAAAAAAAAAAAAAAAAAIQAAABgAAAAUAAAAwAMAABsnAAA/FQAAWSkAABAAAAAmAAAACAAAAAAAAAAAAAAA"/>
+                <pr:smNativeData xmlns:pr="smNativeData" xmlns="smNativeData" val="SMDATA_15_msZJaRMAAAAlAAAAZAAAAA0AAAAAkAAAAEgAAACQAAAASAAAAAAAAAABAAAAAAAAAAEAAABQAAAAAAAAAAAA4D8AAAAAAADgPwAAAAAAAOA/AAAAAAAA4D8AAAAAAADgPwAAAAAAAOA/AAAAAAAA4D8AAAAAAADgPwAAAAAAAOA/AAAAAAAA4D8CAAAAjAAAAAAAAAAAAAAAu+DjDP///wgAAAAAAAAAAAAAAAAAAAAAAAAAAAAAAAAAAAAAZAAAAAEAAABAAAAAAAAAAAAAAAAAAAAAAAAAAAAAAAAAAAAAAAAAAAAAAAAAAAAAAAAAAAAAAAAAAAAAAAAAAAAAAAAAAAAAAAAAAAAAAAAAAAAAAAAAAAAAAAAAAAAAFAAAADwAAAAAAAAAAAAAAAAAAAkUAAAAAQAAABQAAAAUAAAAFAAAAAEAAAAAAAAAZAAAAGQAAAAAAAAAZAAAAGQAAAAVAAAAYAAAAAAAAAAAAAAADwAAACADAAAAAAAAAAAAAAEAAACgMgAAVgcAAKr4//8BAAAAf39/AAEAAABkAAAAAAAAABQAAABAHwAAAAAAACYAAAAAAAAAwOD//wAAAAAmAAAAZAAAABYAAABMAAAAAAAAAAAAAAAEAAAAAAAAAAEAAACAgIAKAAAAACgAAAAoAAAAZAAAAGQAAAAAAAAAzMzMAAAAAABQAAAAUAAAAGQAAABkAAAAAAAAABcAAAAUAAAAAAAAAAAAAAD/fwAA/38AAAAAAAAJAAAABAAAAOrv9v8eAAAAaAAAAAAAAAAAAAAAAAAAAAAAAAAAAAAAECcAABAnAAAAAAAAAAAAAAAAAAAAAAAAAAAAAAAAAAAAAAAAAAAAABQAAAAAAAAAwMD/AAAAAABkAAAAMgAAAAAAAABkAAAAAAAAAH9/fwAKAAAAIgAAABgAAAAAAAAAAAAAAAAAAAAAAAAAAAAAAAAAAAAkAAAAJAAAAAAAAAAHAAAAAAAAAAAAAAAAAAAAAAAAAAAAAAAAAAAAf39/ACUAAABYAAAAAAAAAAAAAAAAAAAAAAAAAAAAAAAAAAAAAAAAAAAAAAAAAAAAAAAAAAAAAAA/AAAAAAAAAKCGAQAAAAAAAAAAAAAAAAAMAAAAAQAAAAAAAAAAAAAAAAAAAB8AAABUAAAAAAAABQAAAAEAAAAAAAAAAAAAAAAAAAAAAAAAAAAAAAAAAAAAAAAAAAAAAAJ/f38AAAAAA8zMzADAwP8Af39/AAAAAAAAAAAAAAAAAAAAAAAAAAAAIQAAABgAAAAUAAAAwAMAABsnAAA/FQAAWSkAABAAAAAmAAAACAAAAAAAAAAAAAAA"/>
               </a:ext>
             </a:extLst>
           </p:cNvSpPr>
@@ -1882,7 +1884,7 @@
           <a:lstStyle/>
           <a:p>
             <a:pPr/>
-            <a:fld id="{1B0E8243-0DF6-5B74-B8B6-FB21CCF84EAE}" type="datetime1">
+            <a:fld id="{0DCF022A-64E0-9AF4-AE77-92A14C3958C7}" type="datetime1">
               <a:t>12/16/2025</a:t>
             </a:fld>
           </a:p>
@@ -1895,7 +1897,7 @@
             <a:spLocks noGrp="1" noChangeArrowheads="1"/>
             <a:extLst>
               <a:ext uri="smNativeData">
-                <pr:smNativeData xmlns:pr="smNativeData" xmlns="smNativeData" val="SMDATA_15_SSBGaRMAAAAlAAAAZAAAAA0AAAAAkAAAAEgAAACQAAAASAAAAAAAAAABAAAAAAAAAAEAAABQAAAAAAAAAAAA4D8AAAAAAADgPwAAAAAAAOA/AAAAAAAA4D8AAAAAAADgPwAAAAAAAOA/AAAAAAAA4D8AAAAAAADgPwAAAAAAAOA/AAAAAAAA4D8CAAAAjAAAAAAAAAAAAAAAu+DjDP///wgAAAAAAAAAAAAAAAAAAAAAAAAAAAAAAAAAAAAAZAAAAAEAAABAAAAAAAAAAAAAAAAAAAAAAAAAAAAAAAAAAAAAAAAAAAAAAAAAAAAAAAAAAAAAAAAAAAAAAAAAAAAAAAAAAAAAAAAAAAAAAAAAAAAAAAAAAAAAAAAAAAAAFAAAADwAAAAAAAAAAAAAAAAAAAkUAAAAAQAAABQAAAAUAAAAFAAAAAEAAAAAAAAAZAAAAGQAAAAAAAAAZAAAAGQAAAAVAAAAYAAAAAAAAAAAAAAADwAAACADAAAAAAAAAAAAAAEAAACgMgAAVgcAAKr4//8BAAAAf39/AAEAAABkAAAAAAAAABQAAABAHwAAAAAAACYAAAAAAAAAwOD//wAAAAAmAAAAZAAAABYAAABMAAAAAAAAAAAAAAAEAAAAAAAAAAEAAACAgIAKAAAAACgAAAAoAAAAZAAAAGQAAAAAAAAAzMzMAAAAAABQAAAAUAAAAGQAAABkAAAAAAAAABcAAAAUAAAAAAAAAAAAAAD/fwAA/38AAAAAAAAJAAAABAAAAAAAAAAeAAAAaAAAAAAAAAAAAAAAAAAAAAAAAAAAAAAAECcAABAnAAAAAAAAAAAAAAAAAAAAAAAAAAAAAAAAAAAAAAAAAAAAABQAAAAAAAAAwMD/AAAAAABkAAAAMgAAAAAAAABkAAAAAAAAAH9/fwAKAAAAIgAAABgAAAAAAAAAAAAAAAAAAAAAAAAAAAAAAAAAAAAkAAAAJAAAAAAAAAAHAAAAAAAAAAAAAAAAAAAAAAAAAAAAAAAAAAAAf39/ACUAAABYAAAAAAAAAAAAAAAAAAAAAAAAAAAAAAAAAAAAAAAAAAAAAAAAAAAAAAAAAAAAAAA/AAAAAAAAAKCGAQAAAAAAAAAAAAAAAAAMAAAAAQAAAAAAAAAAAAAAAAAAAB8AAABUAAAAAAAABQAAAAEAAAAAAAAAAAAAAAAAAAAAAAAAAAAAAAAAAAAAAAAAAAAAAAJ/f38AAAAAA8zMzADAwP8Af39/AAAAAAAAAAAAAAAAAAAAAAAAAAAAIQAAABgAAAAUAAAAoRkAABsnAABfMQAAWSkAABAAAAAmAAAACAAAAAAAAAAAAAAA"/>
+                <pr:smNativeData xmlns:pr="smNativeData" xmlns="smNativeData" val="SMDATA_15_msZJaRMAAAAlAAAAZAAAAA0AAAAAkAAAAEgAAACQAAAASAAAAAAAAAABAAAAAAAAAAEAAABQAAAAAAAAAAAA4D8AAAAAAADgPwAAAAAAAOA/AAAAAAAA4D8AAAAAAADgPwAAAAAAAOA/AAAAAAAA4D8AAAAAAADgPwAAAAAAAOA/AAAAAAAA4D8CAAAAjAAAAAAAAAAAAAAAu+DjDP///wgAAAAAAAAAAAAAAAAAAAAAAAAAAAAAAAAAAAAAZAAAAAEAAABAAAAAAAAAAAAAAAAAAAAAAAAAAAAAAAAAAAAAAAAAAAAAAAAAAAAAAAAAAAAAAAAAAAAAAAAAAAAAAAAAAAAAAAAAAAAAAAAAAAAAAAAAAAAAAAAAAAAAFAAAADwAAAAAAAAAAAAAAAAAAAkUAAAAAQAAABQAAAAUAAAAFAAAAAEAAAAAAAAAZAAAAGQAAAAAAAAAZAAAAGQAAAAVAAAAYAAAAAAAAAAAAAAADwAAACADAAAAAAAAAAAAAAEAAACgMgAAVgcAAKr4//8BAAAAf39/AAEAAABkAAAAAAAAABQAAABAHwAAAAAAACYAAAAAAAAAwOD//wAAAAAmAAAAZAAAABYAAABMAAAAAAAAAAAAAAAEAAAAAAAAAAEAAACAgIAKAAAAACgAAAAoAAAAZAAAAGQAAAAAAAAAzMzMAAAAAABQAAAAUAAAAGQAAABkAAAAAAAAABcAAAAUAAAAAAAAAAAAAAD/fwAA/38AAAAAAAAJAAAABAAAAAAAAAAeAAAAaAAAAAAAAAAAAAAAAAAAAAAAAAAAAAAAECcAABAnAAAAAAAAAAAAAAAAAAAAAAAAAAAAAAAAAAAAAAAAAAAAABQAAAAAAAAAwMD/AAAAAABkAAAAMgAAAAAAAABkAAAAAAAAAH9/fwAKAAAAIgAAABgAAAAAAAAAAAAAAAAAAAAAAAAAAAAAAAAAAAAkAAAAJAAAAAAAAAAHAAAAAAAAAAAAAAAAAAAAAAAAAAAAAAAAAAAAf39/ACUAAABYAAAAAAAAAAAAAAAAAAAAAAAAAAAAAAAAAAAAAAAAAAAAAAAAAAAAAAAAAAAAAAA/AAAAAAAAAKCGAQAAAAAAAAAAAAAAAAAMAAAAAQAAAAAAAAAAAAAAAAAAAB8AAABUAAAAAAAABQAAAAEAAAAAAAAAAAAAAAAAAAAAAAAAAAAAAAAAAAAAAAAAAAAAAAJ/f38AAAAAA8zMzADAwP8Af39/AAAAAAAAAAAAAAAAAAAAAAAAAAAAIQAAABgAAAAUAAAAoRkAABsnAABfMQAAWSkAABAAAAAmAAAACAAAAAAAAAAAAAAA"/>
               </a:ext>
             </a:extLst>
           </p:cNvSpPr>
@@ -1919,7 +1921,7 @@
             <a:spLocks noGrp="1" noChangeArrowheads="1"/>
             <a:extLst>
               <a:ext uri="smNativeData">
-                <pr:smNativeData xmlns:pr="smNativeData" xmlns="smNativeData" val="SMDATA_15_SSBGaRMAAAAlAAAAZAAAAA0AAAAAkAAAAEgAAACQAAAASAAAAAAAAAABAAAAAAAAAAEAAABQAAAAAAAAAAAA4D8AAAAAAADgPwAAAAAAAOA/AAAAAAAA4D8AAAAAAADgPwAAAAAAAOA/AAAAAAAA4D8AAAAAAADgPwAAAAAAAOA/AAAAAAAA4D8CAAAAjAAAAAAAAAAAAAAAu+DjDP///wgAAAAAAAAAAAAAAAAAAAAAAAAAAAAAAAAAAAAAZAAAAAEAAABAAAAAAAAAAAAAAAAAAAAAAAAAAAAAAAAAAAAAAAAAAAAAAAAAAAAAAAAAAAAAAAAAAAAAAAAAAAAAAAAAAAAAAAAAAAAAAAAAAAAAAAAAAAAAAAAAAAAAFAAAADwAAAAAAAAAAAAAAAAAAAkUAAAAAQAAABQAAAAUAAAAFAAAAAEAAAAAAAAAZAAAAGQAAAAAAAAAZAAAAGQAAAAVAAAAYAAAAAAAAAAAAAAADwAAACADAAAAAAAAAAAAAAEAAACgMgAAVgcAAKr4//8BAAAAf39/AAEAAABkAAAAAAAAABQAAABAHwAAAAAAACYAAAAAAAAAwOD//wAAAAAmAAAAZAAAABYAAABMAAAAAAAAAAAAAAAEAAAAAAAAAAEAAACAgIAKAAAAACgAAAAoAAAAZAAAAGQAAAAAAAAAzMzMAAAAAABQAAAAUAAAAGQAAABkAAAAAAAAABcAAAAUAAAAAAAAAAAAAAD/fwAA/38AAAAAAAAJAAAABAAAAADurgIeAAAAaAAAAAAAAAAAAAAAAAAAAAAAAAAAAAAAECcAABAnAAAAAAAAAAAAAAAAAAAAAAAAAAAAAAAAAAAAAAAAAAAAABQAAAAAAAAAwMD/AAAAAABkAAAAMgAAAAAAAABkAAAAAAAAAH9/fwAKAAAAIgAAABgAAAAAAAAAAAAAAAAAAAAAAAAAAAAAAAAAAAAkAAAAJAAAAAAAAAAHAAAAAAAAAAAAAAAAAAAAAAAAAAAAAAAAAAAAf39/ACUAAABYAAAAAAAAAAAAAAAAAAAAAAAAAAAAAAAAAAAAAAAAAAAAAAAAAAAAAAAAAAAAAAA/AAAAAAAAAKCGAQAAAAAAAAAAAAAAAAAMAAAAAQAAAAAAAAAAAAAAAAAAAB8AAABUAAAAAAAABQAAAAEAAAAAAAAAAAAAAAAAAAAAAAAAAAAAAAAAAAAAAAAAAAAAAAJ/f38AAAAAA8zMzADAwP8Af39/AAAAAAAAAAAAAAAAAAAAAAAAAAAAIQAAABgAAAAUAAAAwTUAABsnAABARwAAWSkAABAAAAAmAAAACAAAAAAAAAAAAAAA"/>
+                <pr:smNativeData xmlns:pr="smNativeData" xmlns="smNativeData" val="SMDATA_15_msZJaRMAAAAlAAAAZAAAAA0AAAAAkAAAAEgAAACQAAAASAAAAAAAAAABAAAAAAAAAAEAAABQAAAAAAAAAAAA4D8AAAAAAADgPwAAAAAAAOA/AAAAAAAA4D8AAAAAAADgPwAAAAAAAOA/AAAAAAAA4D8AAAAAAADgPwAAAAAAAOA/AAAAAAAA4D8CAAAAjAAAAAAAAAAAAAAAu+DjDP///wgAAAAAAAAAAAAAAAAAAAAAAAAAAAAAAAAAAAAAZAAAAAEAAABAAAAAAAAAAAAAAAAAAAAAAAAAAAAAAAAAAAAAAAAAAAAAAAAAAAAAAAAAAAAAAAAAAAAAAAAAAAAAAAAAAAAAAAAAAAAAAAAAAAAAAAAAAAAAAAAAAAAAFAAAADwAAAAAAAAAAAAAAAAAAAkUAAAAAQAAABQAAAAUAAAAFAAAAAEAAAAAAAAAZAAAAGQAAAAAAAAAZAAAAGQAAAAVAAAAYAAAAAAAAAAAAAAADwAAACADAAAAAAAAAAAAAAEAAACgMgAAVgcAAKr4//8BAAAAf39/AAEAAABkAAAAAAAAABQAAABAHwAAAAAAACYAAAAAAAAAwOD//wAAAAAmAAAAZAAAABYAAABMAAAAAAAAAAAAAAAEAAAAAAAAAAEAAACAgIAKAAAAACgAAAAoAAAAZAAAAGQAAAAAAAAAzMzMAAAAAABQAAAAUAAAAGQAAABkAAAAAAAAABcAAAAUAAAAAAAAAAAAAAD/fwAA/38AAAAAAAAJAAAABAAAAADurgIeAAAAaAAAAAAAAAAAAAAAAAAAAAAAAAAAAAAAECcAABAnAAAAAAAAAAAAAAAAAAAAAAAAAAAAAAAAAAAAAAAAAAAAABQAAAAAAAAAwMD/AAAAAABkAAAAMgAAAAAAAABkAAAAAAAAAH9/fwAKAAAAIgAAABgAAAAAAAAAAAAAAAAAAAAAAAAAAAAAAAAAAAAkAAAAJAAAAAAAAAAHAAAAAAAAAAAAAAAAAAAAAAAAAAAAAAAAAAAAf39/ACUAAABYAAAAAAAAAAAAAAAAAAAAAAAAAAAAAAAAAAAAAAAAAAAAAAAAAAAAAAAAAAAAAAA/AAAAAAAAAKCGAQAAAAAAAAAAAAAAAAAMAAAAAQAAAAAAAAAAAAAAAAAAAB8AAABUAAAAAAAABQAAAAEAAAAAAAAAAAAAAAAAAAAAAAAAAAAAAAAAAAAAAAAAAAAAAAJ/f38AAAAAA8zMzADAwP8Af39/AAAAAAAAAAAAAAAAAAAAAAAAAAAAIQAAABgAAAAUAAAAwTUAABsnAABARwAAWSkAABAAAAAmAAAACAAAAAAAAAAAAAAA"/>
               </a:ext>
             </a:extLst>
           </p:cNvSpPr>
@@ -1933,7 +1935,7 @@
           <a:lstStyle/>
           <a:p>
             <a:pPr/>
-            <a:fld id="{1B0ED02F-61F6-5B26-B8B6-97739EF84EC2}" type="slidenum">
+            <a:fld id="{0DCF2D8A-C4E0-9ADB-AE77-328E63395867}" type="slidenum">
               <a:t>‹#›</a:t>
             </a:fld>
           </a:p>
@@ -1972,7 +1974,7 @@
             <a:spLocks noGrp="1" noChangeArrowheads="1"/>
             <a:extLst>
               <a:ext uri="smNativeData">
-                <pr:smNativeData xmlns:pr="smNativeData" xmlns="smNativeData" val="SMDATA_15_SSBGaRMAAAAlAAAAZAAAAA0AAAAAkAAAAEgAAACQAAAASAAAAAAAAAABAAAAAAAAAAEAAABQAAAAAAAAAAAA4D8AAAAAAADgPwAAAAAAAOA/AAAAAAAA4D8AAAAAAADgPwAAAAAAAOA/AAAAAAAA4D8AAAAAAADgPwAAAAAAAOA/AAAAAAAA4D8CAAAAjAAAAAAAAAAAAAAAu+DjDP///wgAAAAAAAAAAAAAAAAAAAAAAAAAAAAAAAAAAAAAZAAAAAEAAABAAAAAAAAAAAAAAAAAAAAAAAAAAAAAAAAAAAAAAAAAAAAAAAAAAAAAAAAAAAAAAAAAAAAAAAAAAAAAAAAAAAAAAAAAAAAAAAAAAAAAAAAAAAAAAAAAAAAAFAAAADwAAAAAAAAAAAAAAAAAAAkUAAAAAQAAABQAAAAUAAAAFAAAAAEAAAAAAAAAZAAAAGQAAAAAAAAAZAAAAGQAAAAVAAAAYAAAAAAAAAAAAAAADwAAACADAAAAAAAAAAAAAAEAAACgMgAAVgcAAKr4//8BAAAAf39/AAEAAABkAAAAAAAAABQAAABAHwAAAAAAACYAAAAAAAAAwOD//wAAAAAmAAAAZAAAABYAAABMAAAAAAAAAAAAAAAEAAAAAAAAAAEAAACAgIAKAAAAACgAAAAoAAAAZAAAAGQAAAAAAAAAzMzMAAAAAABQAAAAUAAAAGQAAABkAAAAAAAAABcAAAAUAAAAAAAAAAAAAAD/fwAA/38AAAAAAAAJAAAABAAAAPL1+v8eAAAAaAAAAAAAAAAAAAAAAAAAAAAAAAAAAAAAECcAABAnAAAAAAAAAAAAAAAAAAAAAAAAAAAAAAAAAAAAAAAAAAAAABQAAAAAAAAAwMD/AAAAAABkAAAAMgAAAAAAAABkAAAAAAAAAH9/fwAKAAAAIgAAABgAAAAAAAAAAAAAAAAAAAAAAAAAAAAAAAAAAAAkAAAAJAAAAAAAAAAHAAAAAAAAAAAAAAAAAAAAAAAAAAAAAAAAAAAAf39/ACUAAABYAAAAAAAAAAAAAAAAAAAAAAAAAAAAAAAAAAAAAAAAAAAAAAAAAAAAAAAAAAAAAAA/AAAAAAAAAKCGAQAAAAAAAAAAAAAAAAAMAAAAAQAAAAAAAAAAAAAAAAAAAB8AAABUAAAAAAAABQAAAAEAAAAAAAAAAAAAAAAAAAAAAAAAAAAAAAAAAAAAAAAAAAAAAAJ/f38AAAAAA8zMzADAwP8Af39/AAAAAAAAAAAAAAAAAAAAAAAAAAAAIQAAABgAAAAUAAAAwAMAALABAABARwAAuAgAABAAAAAmAAAACAAAAAAAAAAAAAAA"/>
+                <pr:smNativeData xmlns:pr="smNativeData" xmlns="smNativeData" val="SMDATA_15_msZJaRMAAAAlAAAAZAAAAA0AAAAAkAAAAEgAAACQAAAASAAAAAAAAAABAAAAAAAAAAEAAABQAAAAAAAAAAAA4D8AAAAAAADgPwAAAAAAAOA/AAAAAAAA4D8AAAAAAADgPwAAAAAAAOA/AAAAAAAA4D8AAAAAAADgPwAAAAAAAOA/AAAAAAAA4D8CAAAAjAAAAAAAAAAAAAAAu+DjDP///wgAAAAAAAAAAAAAAAAAAAAAAAAAAAAAAAAAAAAAZAAAAAEAAABAAAAAAAAAAAAAAAAAAAAAAAAAAAAAAAAAAAAAAAAAAAAAAAAAAAAAAAAAAAAAAAAAAAAAAAAAAAAAAAAAAAAAAAAAAAAAAAAAAAAAAAAAAAAAAAAAAAAAFAAAADwAAAAAAAAAAAAAAAAAAAkUAAAAAQAAABQAAAAUAAAAFAAAAAEAAAAAAAAAZAAAAGQAAAAAAAAAZAAAAGQAAAAVAAAAYAAAAAAAAAAAAAAADwAAACADAAAAAAAAAAAAAAEAAACgMgAAVgcAAKr4//8BAAAAf39/AAEAAABkAAAAAAAAABQAAABAHwAAAAAAACYAAAAAAAAAwOD//wAAAAAmAAAAZAAAABYAAABMAAAAAAAAAAAAAAAEAAAAAAAAAAEAAACAgIAKAAAAACgAAAAoAAAAZAAAAGQAAAAAAAAAzMzMAAAAAABQAAAAUAAAAGQAAABkAAAAAAAAABcAAAAUAAAAAAAAAAAAAAD/fwAA/38AAAAAAAAJAAAABAAAAPL1+v8eAAAAaAAAAAAAAAAAAAAAAAAAAAAAAAAAAAAAECcAABAnAAAAAAAAAAAAAAAAAAAAAAAAAAAAAAAAAAAAAAAAAAAAABQAAAAAAAAAwMD/AAAAAABkAAAAMgAAAAAAAABkAAAAAAAAAH9/fwAKAAAAIgAAABgAAAAAAAAAAAAAAAAAAAAAAAAAAAAAAAAAAAAkAAAAJAAAAAAAAAAHAAAAAAAAAAAAAAAAAAAAAAAAAAAAAAAAAAAAf39/ACUAAABYAAAAAAAAAAAAAAAAAAAAAAAAAAAAAAAAAAAAAAAAAAAAAAAAAAAAAAAAAAAAAAA/AAAAAAAAAKCGAQAAAAAAAAAAAAAAAAAMAAAAAQAAAAAAAAAAAAAAAAAAAB8AAABUAAAAAAAABQAAAAEAAAAAAAAAAAAAAAAAAAAAAAAAAAAAAAAAAAAAAAAAAAAAAAJ/f38AAAAAA8zMzADAwP8Af39/AAAAAAAAAAAAAAAAAAAAAAAAAAAAIQAAABgAAAAUAAAAwAMAALABAABARwAAuAgAABAAAAAmAAAACAAAAAAAAAAAAAAA"/>
               </a:ext>
             </a:extLst>
           </p:cNvSpPr>
@@ -1999,7 +2001,7 @@
             <a:spLocks noGrp="1" noChangeArrowheads="1"/>
             <a:extLst>
               <a:ext uri="smNativeData">
-                <pr:smNativeData xmlns:pr="smNativeData" xmlns="smNativeData" val="SMDATA_15_SSBGaRMAAAAlAAAAZAAAAA0AAAAAkAAAAEgAAACQAAAASAAAAAAAAAABAAAAAAAAAAEAAABQAAAAAAAAAAAA4D8AAAAAAADgPwAAAAAAAOA/AAAAAAAA4D8AAAAAAADgPwAAAAAAAOA/AAAAAAAA4D8AAAAAAADgPwAAAAAAAOA/AAAAAAAA4D8CAAAAjAAAAAAAAAAAAAAAu+DjDP///wgAAAAAAAAAAAAAAAAAAAAAAAAAAAAAAAAAAAAAZAAAAAEAAABAAAAAAAAAAAAAAAAAAAAAAAAAAAAAAAAAAAAAAAAAAAAAAAAAAAAAAAAAAAAAAAAAAAAAAAAAAAAAAAAAAAAAAAAAAAAAAAAAAAAAAAAAAAAAAAAAAAAAFAAAADwAAAAAAAAAAAAAAAAAAAkUAAAAAQAAABQAAAAUAAAAFAAAAAEAAAAAAAAAZAAAAGQAAAAAAAAAZAAAAGQAAAAVAAAAYAAAAAAAAAAAAAAADwAAACADAAAAAAAAAAAAAAEAAACgMgAAVgcAAKr4//8BAAAAf39/AAEAAABkAAAAAAAAABQAAABAHwAAAAAAACYAAAAAAAAAwOD//wAAAAAmAAAAZAAAABYAAABMAAAAAAAAAAAAAAAEAAAAAAAAAAEAAACAgIAKAAAAACgAAAAoAAAAZAAAAGQAAAAAAAAAzMzMAAAAAABQAAAAUAAAAGQAAABkAAAAAAAAABcAAAAUAAAAAAAAAAAAAAD/fwAA/38AAAAAAAAJAAAABAAAAJLC8BQeAAAAaAAAAAAAAAAAAAAAAAAAAAAAAAAAAAAAECcAABAnAAAAAAAAAAAAAAAAAAAAAAAAAAAAAAAAAAAAAAAAAAAAABQAAAAAAAAAwMD/AAAAAABkAAAAMgAAAAAAAABkAAAAAAAAAH9/fwAKAAAAIgAAABgAAAAAAAAAAAAAAAAAAAAAAAAAAAAAAAAAAAAkAAAAJAAAAAAAAAAHAAAAAAAAAAAAAAAAAAAAAAAAAAAAAAAAAAAAf39/ACUAAABYAAAAAAAAAAAAAAAAAAAAAAAAAAAAAAAAAAAAAAAAAAAAAAAAAAAAAAAAAAAAAAA/AAAAAAAAAKCGAQAAAAAAAAAAAAAAAAAMAAAAAQAAAAAAAAAAAAAAAAAAAB8AAABUAAAAAAAABQAAAAEAAAAAAAAAAAAAAAAAAAAAAAAAAAAAAAAAAAAAAAAAAAAAAAJ/f38AAAAAA8zMzADAwP8Af39/AAAAAAAAAAAAAAAAAAAAAAAAAAAAIQAAABgAAAAUAAAAwAMAABsnAAA/FQAAWSkAABAAAAAmAAAACAAAAAAAAAAAAAAA"/>
+                <pr:smNativeData xmlns:pr="smNativeData" xmlns="smNativeData" val="SMDATA_15_msZJaRMAAAAlAAAAZAAAAA0AAAAAkAAAAEgAAACQAAAASAAAAAAAAAABAAAAAAAAAAEAAABQAAAAAAAAAAAA4D8AAAAAAADgPwAAAAAAAOA/AAAAAAAA4D8AAAAAAADgPwAAAAAAAOA/AAAAAAAA4D8AAAAAAADgPwAAAAAAAOA/AAAAAAAA4D8CAAAAjAAAAAAAAAAAAAAAu+DjDP///wgAAAAAAAAAAAAAAAAAAAAAAAAAAAAAAAAAAAAAZAAAAAEAAABAAAAAAAAAAAAAAAAAAAAAAAAAAAAAAAAAAAAAAAAAAAAAAAAAAAAAAAAAAAAAAAAAAAAAAAAAAAAAAAAAAAAAAAAAAAAAAAAAAAAAAAAAAAAAAAAAAAAAFAAAADwAAAAAAAAAAAAAAAAAAAkUAAAAAQAAABQAAAAUAAAAFAAAAAEAAAAAAAAAZAAAAGQAAAAAAAAAZAAAAGQAAAAVAAAAYAAAAAAAAAAAAAAADwAAACADAAAAAAAAAAAAAAEAAACgMgAAVgcAAKr4//8BAAAAf39/AAEAAABkAAAAAAAAABQAAABAHwAAAAAAACYAAAAAAAAAwOD//wAAAAAmAAAAZAAAABYAAABMAAAAAAAAAAAAAAAEAAAAAAAAAAEAAACAgIAKAAAAACgAAAAoAAAAZAAAAGQAAAAAAAAAzMzMAAAAAABQAAAAUAAAAGQAAABkAAAAAAAAABcAAAAUAAAAAAAAAAAAAAD/fwAA/38AAAAAAAAJAAAABAAAAJLC8BQeAAAAaAAAAAAAAAAAAAAAAAAAAAAAAAAAAAAAECcAABAnAAAAAAAAAAAAAAAAAAAAAAAAAAAAAAAAAAAAAAAAAAAAABQAAAAAAAAAwMD/AAAAAABkAAAAMgAAAAAAAABkAAAAAAAAAH9/fwAKAAAAIgAAABgAAAAAAAAAAAAAAAAAAAAAAAAAAAAAAAAAAAAkAAAAJAAAAAAAAAAHAAAAAAAAAAAAAAAAAAAAAAAAAAAAAAAAAAAAf39/ACUAAABYAAAAAAAAAAAAAAAAAAAAAAAAAAAAAAAAAAAAAAAAAAAAAAAAAAAAAAAAAAAAAAA/AAAAAAAAAKCGAQAAAAAAAAAAAAAAAAAMAAAAAQAAAAAAAAAAAAAAAAAAAB8AAABUAAAAAAAABQAAAAEAAAAAAAAAAAAAAAAAAAAAAAAAAAAAAAAAAAAAAAAAAAAAAAJ/f38AAAAAA8zMzADAwP8Af39/AAAAAAAAAAAAAAAAAAAAAAAAAAAAIQAAABgAAAAUAAAAwAMAABsnAAA/FQAAWSkAABAAAAAmAAAACAAAAAAAAAAAAAAA"/>
               </a:ext>
             </a:extLst>
           </p:cNvSpPr>
@@ -2013,7 +2015,7 @@
           <a:lstStyle/>
           <a:p>
             <a:pPr/>
-            <a:fld id="{1B0EB713-5DF6-5B41-B8B6-AB14F9F84EFE}" type="datetime1">
+            <a:fld id="{0DCF05C3-8DE0-9AF3-AE77-7BA64B39582E}" type="datetime1">
               <a:t>12/16/2025</a:t>
             </a:fld>
           </a:p>
@@ -2026,7 +2028,7 @@
             <a:spLocks noGrp="1" noChangeArrowheads="1"/>
             <a:extLst>
               <a:ext uri="smNativeData">
-                <pr:smNativeData xmlns:pr="smNativeData" xmlns="smNativeData" val="SMDATA_15_SSBGaRMAAAAlAAAAZAAAAA0AAAAAkAAAAEgAAACQAAAASAAAAAAAAAABAAAAAAAAAAEAAABQAAAAAAAAAAAA4D8AAAAAAADgPwAAAAAAAOA/AAAAAAAA4D8AAAAAAADgPwAAAAAAAOA/AAAAAAAA4D8AAAAAAADgPwAAAAAAAOA/AAAAAAAA4D8CAAAAjAAAAAAAAAAAAAAAu+DjDP///wgAAAAAAAAAAAAAAAAAAAAAAAAAAAAAAAAAAAAAZAAAAAEAAABAAAAAAAAAAAAAAAAAAAAAAAAAAAAAAAAAAAAAAAAAAAAAAAAAAAAAAAAAAAAAAAAAAAAAAAAAAAAAAAAAAAAAAAAAAAAAAAAAAAAAAAAAAAAAAAAAAAAAFAAAADwAAAAAAAAAAAAAAAAAAAkUAAAAAQAAABQAAAAUAAAAFAAAAAEAAAAAAAAAZAAAAGQAAAAAAAAAZAAAAGQAAAAVAAAAYAAAAAAAAAAAAAAADwAAACADAAAAAAAAAAAAAAEAAACgMgAAVgcAAKr4//8BAAAAf39/AAEAAABkAAAAAAAAABQAAABAHwAAAAAAACYAAAAAAAAAwOD//wAAAAAmAAAAZAAAABYAAABMAAAAAAAAAAAAAAAEAAAAAAAAAAEAAACAgIAKAAAAACgAAAAoAAAAZAAAAGQAAAAAAAAAzMzMAAAAAABQAAAAUAAAAGQAAABkAAAAAAAAABcAAAAUAAAAAAAAAAAAAAD/fwAA/38AAAAAAAAJAAAABAAAAJ/J8f8eAAAAaAAAAAAAAAAAAAAAAAAAAAAAAAAAAAAAECcAABAnAAAAAAAAAAAAAAAAAAAAAAAAAAAAAAAAAAAAAAAAAAAAABQAAAAAAAAAwMD/AAAAAABkAAAAMgAAAAAAAABkAAAAAAAAAH9/fwAKAAAAIgAAABgAAAAAAAAAAAAAAAAAAAAAAAAAAAAAAAAAAAAkAAAAJAAAAAAAAAAHAAAAAAAAAAAAAAAAAAAAAAAAAAAAAAAAAAAAf39/ACUAAABYAAAAAAAAAAAAAAAAAAAAAAAAAAAAAAAAAAAAAAAAAAAAAAAAAAAAAAAAAAAAAAA/AAAAAAAAAKCGAQAAAAAAAAAAAAAAAAAMAAAAAQAAAAAAAAAAAAAAAAAAAB8AAABUAAAAAAAABQAAAAEAAAAAAAAAAAAAAAAAAAAAAAAAAAAAAAAAAAAAAAAAAAAAAAJ/f38AAAAAA8zMzADAwP8Af39/AAAAAAAAAAAAAAAAAAAAAAAAAAAAIQAAABgAAAAUAAAAoRkAABsnAABfMQAAWSkAABAAAAAmAAAACAAAAAAAAAAAAAAA"/>
+                <pr:smNativeData xmlns:pr="smNativeData" xmlns="smNativeData" val="SMDATA_15_msZJaRMAAAAlAAAAZAAAAA0AAAAAkAAAAEgAAACQAAAASAAAAAAAAAABAAAAAAAAAAEAAABQAAAAAAAAAAAA4D8AAAAAAADgPwAAAAAAAOA/AAAAAAAA4D8AAAAAAADgPwAAAAAAAOA/AAAAAAAA4D8AAAAAAADgPwAAAAAAAOA/AAAAAAAA4D8CAAAAjAAAAAAAAAAAAAAAu+DjDP///wgAAAAAAAAAAAAAAAAAAAAAAAAAAAAAAAAAAAAAZAAAAAEAAABAAAAAAAAAAAAAAAAAAAAAAAAAAAAAAAAAAAAAAAAAAAAAAAAAAAAAAAAAAAAAAAAAAAAAAAAAAAAAAAAAAAAAAAAAAAAAAAAAAAAAAAAAAAAAAAAAAAAAFAAAADwAAAAAAAAAAAAAAAAAAAkUAAAAAQAAABQAAAAUAAAAFAAAAAEAAAAAAAAAZAAAAGQAAAAAAAAAZAAAAGQAAAAVAAAAYAAAAAAAAAAAAAAADwAAACADAAAAAAAAAAAAAAEAAACgMgAAVgcAAKr4//8BAAAAf39/AAEAAABkAAAAAAAAABQAAABAHwAAAAAAACYAAAAAAAAAwOD//wAAAAAmAAAAZAAAABYAAABMAAAAAAAAAAAAAAAEAAAAAAAAAAEAAACAgIAKAAAAACgAAAAoAAAAZAAAAGQAAAAAAAAAzMzMAAAAAABQAAAAUAAAAGQAAABkAAAAAAAAABcAAAAUAAAAAAAAAAAAAAD/fwAA/38AAAAAAAAJAAAABAAAAJ/J8f8eAAAAaAAAAAAAAAAAAAAAAAAAAAAAAAAAAAAAECcAABAnAAAAAAAAAAAAAAAAAAAAAAAAAAAAAAAAAAAAAAAAAAAAABQAAAAAAAAAwMD/AAAAAABkAAAAMgAAAAAAAABkAAAAAAAAAH9/fwAKAAAAIgAAABgAAAAAAAAAAAAAAAAAAAAAAAAAAAAAAAAAAAAkAAAAJAAAAAAAAAAHAAAAAAAAAAAAAAAAAAAAAAAAAAAAAAAAAAAAf39/ACUAAABYAAAAAAAAAAAAAAAAAAAAAAAAAAAAAAAAAAAAAAAAAAAAAAAAAAAAAAAAAAAAAAA/AAAAAAAAAKCGAQAAAAAAAAAAAAAAAAAMAAAAAQAAAAAAAAAAAAAAAAAAAB8AAABUAAAAAAAABQAAAAEAAAAAAAAAAAAAAAAAAAAAAAAAAAAAAAAAAAAAAAAAAAAAAAJ/f38AAAAAA8zMzADAwP8Af39/AAAAAAAAAAAAAAAAAAAAAAAAAAAAIQAAABgAAAAUAAAAoRkAABsnAABfMQAAWSkAABAAAAAmAAAACAAAAAAAAAAAAAAA"/>
               </a:ext>
             </a:extLst>
           </p:cNvSpPr>
@@ -2050,7 +2052,7 @@
             <a:spLocks noGrp="1" noChangeArrowheads="1"/>
             <a:extLst>
               <a:ext uri="smNativeData">
-                <pr:smNativeData xmlns:pr="smNativeData" xmlns="smNativeData" val="SMDATA_15_SSBGaRMAAAAlAAAAZAAAAA0AAAAAkAAAAEgAAACQAAAASAAAAAAAAAABAAAAAAAAAAEAAABQAAAAAAAAAAAA4D8AAAAAAADgPwAAAAAAAOA/AAAAAAAA4D8AAAAAAADgPwAAAAAAAOA/AAAAAAAA4D8AAAAAAADgPwAAAAAAAOA/AAAAAAAA4D8CAAAAjAAAAAAAAAAAAAAAu+DjDP///wgAAAAAAAAAAAAAAAAAAAAAAAAAAAAAAAAAAAAAZAAAAAEAAABAAAAAAAAAAAAAAAAAAAAAAAAAAAAAAAAAAAAAAAAAAAAAAAAAAAAAAAAAAAAAAAAAAAAAAAAAAAAAAAAAAAAAAAAAAAAAAAAAAAAAAAAAAAAAAAAAAAAAFAAAADwAAAAAAAAAAAAAAAAAAAkUAAAAAQAAABQAAAAUAAAAFAAAAAEAAAAAAAAAZAAAAGQAAAAAAAAAZAAAAGQAAAAVAAAAYAAAAAAAAAAAAAAADwAAACADAAAAAAAAAAAAAAEAAACgMgAAVgcAAKr4//8BAAAAf39/AAEAAABkAAAAAAAAABQAAABAHwAAAAAAACYAAAAAAAAAwOD//wAAAAAmAAAAZAAAABYAAABMAAAAAAAAAAAAAAAEAAAAAAAAAAEAAACAgIAKAAAAACgAAAAoAAAAZAAAAGQAAAAAAAAAzMzMAAAAAABQAAAAUAAAAGQAAABkAAAAAAAAABcAAAAUAAAAAAAAAAAAAAD/fwAA/38AAAAAAAAJAAAABAAAAAAAAAAeAAAAaAAAAAAAAAAAAAAAAAAAAAAAAAAAAAAAECcAABAnAAAAAAAAAAAAAAAAAAAAAAAAAAAAAAAAAAAAAAAAAAAAABQAAAAAAAAAwMD/AAAAAABkAAAAMgAAAAAAAABkAAAAAAAAAH9/fwAKAAAAIgAAABgAAAAAAAAAAAAAAAAAAAAAAAAAAAAAAAAAAAAkAAAAJAAAAAAAAAAHAAAAAAAAAAAAAAAAAAAAAAAAAAAAAAAAAAAAf39/ACUAAABYAAAAAAAAAAAAAAAAAAAAAAAAAAAAAAAAAAAAAAAAAAAAAAAAAAAAAAAAAAAAAAA/AAAAAAAAAKCGAQAAAAAAAAAAAAAAAAAMAAAAAQAAAAAAAAAAAAAAAAAAAB8AAABUAAAAAAAABQAAAAEAAAAAAAAAAAAAAAAAAAAAAAAAAAAAAAAAAAAAAAAAAAAAAAJ/f38AAAAAA8zMzADAwP8Af39/AAAAAAAAAAAAAAAAAAAAAAAAAAAAIQAAABgAAAAUAAAAwTUAABsnAABARwAAWSkAABAAAAAmAAAACAAAAAAAAAAAAAAA"/>
+                <pr:smNativeData xmlns:pr="smNativeData" xmlns="smNativeData" val="SMDATA_15_msZJaRMAAAAlAAAAZAAAAA0AAAAAkAAAAEgAAACQAAAASAAAAAAAAAABAAAAAAAAAAEAAABQAAAAAAAAAAAA4D8AAAAAAADgPwAAAAAAAOA/AAAAAAAA4D8AAAAAAADgPwAAAAAAAOA/AAAAAAAA4D8AAAAAAADgPwAAAAAAAOA/AAAAAAAA4D8CAAAAjAAAAAAAAAAAAAAAu+DjDP///wgAAAAAAAAAAAAAAAAAAAAAAAAAAAAAAAAAAAAAZAAAAAEAAABAAAAAAAAAAAAAAAAAAAAAAAAAAAAAAAAAAAAAAAAAAAAAAAAAAAAAAAAAAAAAAAAAAAAAAAAAAAAAAAAAAAAAAAAAAAAAAAAAAAAAAAAAAAAAAAAAAAAAFAAAADwAAAAAAAAAAAAAAAAAAAkUAAAAAQAAABQAAAAUAAAAFAAAAAEAAAAAAAAAZAAAAGQAAAAAAAAAZAAAAGQAAAAVAAAAYAAAAAAAAAAAAAAADwAAACADAAAAAAAAAAAAAAEAAACgMgAAVgcAAKr4//8BAAAAf39/AAEAAABkAAAAAAAAABQAAABAHwAAAAAAACYAAAAAAAAAwOD//wAAAAAmAAAAZAAAABYAAABMAAAAAAAAAAAAAAAEAAAAAAAAAAEAAACAgIAKAAAAACgAAAAoAAAAZAAAAGQAAAAAAAAAzMzMAAAAAABQAAAAUAAAAGQAAABkAAAAAAAAABcAAAAUAAAAAAAAAAAAAAD/fwAA/38AAAAAAAAJAAAABAAAAAAAAAAeAAAAaAAAAAAAAAAAAAAAAAAAAAAAAAAAAAAAECcAABAnAAAAAAAAAAAAAAAAAAAAAAAAAAAAAAAAAAAAAAAAAAAAABQAAAAAAAAAwMD/AAAAAABkAAAAMgAAAAAAAABkAAAAAAAAAH9/fwAKAAAAIgAAABgAAAAAAAAAAAAAAAAAAAAAAAAAAAAAAAAAAAAkAAAAJAAAAAAAAAAHAAAAAAAAAAAAAAAAAAAAAAAAAAAAAAAAAAAAf39/ACUAAABYAAAAAAAAAAAAAAAAAAAAAAAAAAAAAAAAAAAAAAAAAAAAAAAAAAAAAAAAAAAAAAA/AAAAAAAAAKCGAQAAAAAAAAAAAAAAAAAMAAAAAQAAAAAAAAAAAAAAAAAAAB8AAABUAAAAAAAABQAAAAEAAAAAAAAAAAAAAAAAAAAAAAAAAAAAAAAAAAAAAAAAAAAAAAJ/f38AAAAAA8zMzADAwP8Af39/AAAAAAAAAAAAAAAAAAAAAAAAAAAAIQAAABgAAAAUAAAAwTUAABsnAABARwAAWSkAABAAAAAmAAAACAAAAAAAAAAAAAAA"/>
               </a:ext>
             </a:extLst>
           </p:cNvSpPr>
@@ -2064,7 +2066,7 @@
           <a:lstStyle/>
           <a:p>
             <a:pPr/>
-            <a:fld id="{1B0E939D-D3F6-5B65-B8B6-2530DDF84E70}" type="slidenum">
+            <a:fld id="{0DCF76CB-85E0-9A80-AE77-73D538395826}" type="slidenum">
               <a:t>‹#›</a:t>
             </a:fld>
           </a:p>
@@ -2103,7 +2105,7 @@
             <a:spLocks noGrp="1" noChangeArrowheads="1"/>
             <a:extLst>
               <a:ext uri="smNativeData">
-                <pr:smNativeData xmlns:pr="smNativeData" xmlns="smNativeData" val="SMDATA_15_SSBGaRMAAAAlAAAAZAAAAA0AAAAAkAAAAEgAAACQAAAASAAAAAAAAAABAAAAAAAAAAEAAABQAAAAAAAAAAAA4D8AAAAAAADgPwAAAAAAAOA/AAAAAAAA4D8AAAAAAADgPwAAAAAAAOA/AAAAAAAA4D8AAAAAAADgPwAAAAAAAOA/AAAAAAAA4D8CAAAAjAAAAAAAAAAAAAAAu+DjDP///wgAAAAAAAAAAAAAAAAAAAAAAAAAAAAAAAAAAAAAZAAAAAEAAABAAAAAAAAAAAAAAAAAAAAAAAAAAAAAAAAAAAAAAAAAAAAAAAAAAAAAAAAAAAAAAAAAAAAAAAAAAAAAAAAAAAAAAAAAAAAAAAAAAAAAAAAAAAAAAAAAAAAAFAAAADwAAAAAAAAAAAAAAAAAAAkUAAAAAQAAABQAAAAUAAAAFAAAAAEAAAAAAAAAZAAAAGQAAAAAAAAAZAAAAGQAAAAVAAAAYAAAAAAAAAAAAAAADwAAACADAAAAAAAAAAAAAAEAAACgMgAAVgcAAKr4//8BAAAAf39/AAEAAABkAAAAAAAAABQAAABAHwAAAAAAACYAAAAAAAAAwOD//wAAAAAmAAAAZAAAABYAAABMAAAAAAAAAAAAAAAEAAAAAAAAAAEAAACAgIAKAAAAACgAAAAoAAAAZAAAAGQAAAAAAAAAzMzMAAAAAABQAAAAUAAAAGQAAABkAAAAAAAAABcAAAAUAAAAAAAAAAAAAAD/fwAA/38AAAAAAAAJAAAABAAAAPL1+v8eAAAAaAAAAAAAAAAAAAAAAAAAAAAAAAAAAAAAECcAABAnAAAAAAAAAAAAAAAAAAAAAAAAAAAAAAAAAAAAAAAAAAAAABQAAAAAAAAAwMD/AAAAAABkAAAAMgAAAAAAAABkAAAAAAAAAH9/fwAKAAAAIgAAABgAAAAAAAAAAAAAAAAAAAAAAAAAAAAAAAAAAAAkAAAAJAAAAAAAAAAHAAAAAAAAAAAAAAAAAAAAAAAAAAAAAAAAAAAAf39/ACUAAABYAAAAAAAAAAAAAAAAAAAAAAAAAAAAAAAAAAAAAAAAAAAAAAAAAAAAAAAAAAAAAAA/AAAAAAAAAKCGAQAAAAAAAAAAAAAAAAAMAAAAAQAAAAAAAAAAAAAAAAAAAB8AAABUAAAAAAAABQAAAAEAAAAAAAAAAAAAAAAAAAAAAAAAAAAAAAAAAAAAAAAAAAAAAAJ/f38AAAAAA8zMzADAwP8Af39/AAAAAAAAAAAAAAAAAAAAAAAAAAAAIQAAABgAAAAUAAAAwAMAABsnAAA/FQAAWSkAABAAAAAmAAAACAAAAAAAAAAAAAAA"/>
+                <pr:smNativeData xmlns:pr="smNativeData" xmlns="smNativeData" val="SMDATA_15_msZJaRMAAAAlAAAAZAAAAA0AAAAAkAAAAEgAAACQAAAASAAAAAAAAAABAAAAAAAAAAEAAABQAAAAAAAAAAAA4D8AAAAAAADgPwAAAAAAAOA/AAAAAAAA4D8AAAAAAADgPwAAAAAAAOA/AAAAAAAA4D8AAAAAAADgPwAAAAAAAOA/AAAAAAAA4D8CAAAAjAAAAAAAAAAAAAAAu+DjDP///wgAAAAAAAAAAAAAAAAAAAAAAAAAAAAAAAAAAAAAZAAAAAEAAABAAAAAAAAAAAAAAAAAAAAAAAAAAAAAAAAAAAAAAAAAAAAAAAAAAAAAAAAAAAAAAAAAAAAAAAAAAAAAAAAAAAAAAAAAAAAAAAAAAAAAAAAAAAAAAAAAAAAAFAAAADwAAAAAAAAAAAAAAAAAAAkUAAAAAQAAABQAAAAUAAAAFAAAAAEAAAAAAAAAZAAAAGQAAAAAAAAAZAAAAGQAAAAVAAAAYAAAAAAAAAAAAAAADwAAACADAAAAAAAAAAAAAAEAAACgMgAAVgcAAKr4//8BAAAAf39/AAEAAABkAAAAAAAAABQAAABAHwAAAAAAACYAAAAAAAAAwOD//wAAAAAmAAAAZAAAABYAAABMAAAAAAAAAAAAAAAEAAAAAAAAAAEAAACAgIAKAAAAACgAAAAoAAAAZAAAAGQAAAAAAAAAzMzMAAAAAABQAAAAUAAAAGQAAABkAAAAAAAAABcAAAAUAAAAAAAAAAAAAAD/fwAA/38AAAAAAAAJAAAABAAAAPL1+v8eAAAAaAAAAAAAAAAAAAAAAAAAAAAAAAAAAAAAECcAABAnAAAAAAAAAAAAAAAAAAAAAAAAAAAAAAAAAAAAAAAAAAAAABQAAAAAAAAAwMD/AAAAAABkAAAAMgAAAAAAAABkAAAAAAAAAH9/fwAKAAAAIgAAABgAAAAAAAAAAAAAAAAAAAAAAAAAAAAAAAAAAAAkAAAAJAAAAAAAAAAHAAAAAAAAAAAAAAAAAAAAAAAAAAAAAAAAAAAAf39/ACUAAABYAAAAAAAAAAAAAAAAAAAAAAAAAAAAAAAAAAAAAAAAAAAAAAAAAAAAAAAAAAAAAAA/AAAAAAAAAKCGAQAAAAAAAAAAAAAAAAAMAAAAAQAAAAAAAAAAAAAAAAAAAB8AAABUAAAAAAAABQAAAAEAAAAAAAAAAAAAAAAAAAAAAAAAAAAAAAAAAAAAAAAAAAAAAAJ/f38AAAAAA8zMzADAwP8Af39/AAAAAAAAAAAAAAAAAAAAAAAAAAAAIQAAABgAAAAUAAAAwAMAABsnAAA/FQAAWSkAABAAAAAmAAAACAAAAAAAAAAAAAAA"/>
               </a:ext>
             </a:extLst>
           </p:cNvSpPr>
@@ -2117,7 +2119,7 @@
           <a:lstStyle/>
           <a:p>
             <a:pPr/>
-            <a:fld id="{1B0ECF0B-45F6-5B39-B8B6-B36C81F84EE6}" type="datetime1">
+            <a:fld id="{0DCF6CBB-F5E0-9A9A-AE77-03CF22395856}" type="datetime1">
               <a:t>12/16/2025</a:t>
             </a:fld>
           </a:p>
@@ -2130,7 +2132,7 @@
             <a:spLocks noGrp="1" noChangeArrowheads="1"/>
             <a:extLst>
               <a:ext uri="smNativeData">
-                <pr:smNativeData xmlns:pr="smNativeData" xmlns="smNativeData" val="SMDATA_15_SSBGaRMAAAAlAAAAZAAAAA0AAAAAkAAAAEgAAACQAAAASAAAAAAAAAABAAAAAAAAAAEAAABQAAAAAAAAAAAA4D8AAAAAAADgPwAAAAAAAOA/AAAAAAAA4D8AAAAAAADgPwAAAAAAAOA/AAAAAAAA4D8AAAAAAADgPwAAAAAAAOA/AAAAAAAA4D8CAAAAjAAAAAAAAAAAAAAAu+DjDP///wgAAAAAAAAAAAAAAAAAAAAAAAAAAAAAAAAAAAAAZAAAAAEAAABAAAAAAAAAAAAAAAAAAAAAAAAAAAAAAAAAAAAAAAAAAAAAAAAAAAAAAAAAAAAAAAAAAAAAAAAAAAAAAAAAAAAAAAAAAAAAAAAAAAAAAAAAAAAAAAAAAAAAFAAAADwAAAAAAAAAAAAAAAAAAAkUAAAAAQAAABQAAAAUAAAAFAAAAAEAAAAAAAAAZAAAAGQAAAAAAAAAZAAAAGQAAAAVAAAAYAAAAAAAAAAAAAAADwAAACADAAAAAAAAAAAAAAEAAACgMgAAVgcAAKr4//8BAAAAf39/AAEAAABkAAAAAAAAABQAAABAHwAAAAAAACYAAAAAAAAAwOD//wAAAAAmAAAAZAAAABYAAABMAAAAAAAAAAAAAAAEAAAAAAAAAAEAAACAgIAKAAAAACgAAAAoAAAAZAAAAGQAAAAAAAAAzMzMAAAAAABQAAAAUAAAAGQAAABkAAAAAAAAABcAAAAUAAAAAAAAAAAAAAD/fwAA/38AAAAAAAAJAAAABAAAAAAAAAAeAAAAaAAAAAAAAAAAAAAAAAAAAAAAAAAAAAAAECcAABAnAAAAAAAAAAAAAAAAAAAAAAAAAAAAAAAAAAAAAAAAAAAAABQAAAAAAAAAwMD/AAAAAABkAAAAMgAAAAAAAABkAAAAAAAAAH9/fwAKAAAAIgAAABgAAAAAAAAAAAAAAAAAAAAAAAAAAAAAAAAAAAAkAAAAJAAAAAAAAAAHAAAAAAAAAAAAAAAAAAAAAAAAAAAAAAAAAAAAf39/ACUAAABYAAAAAAAAAAAAAAAAAAAAAAAAAAAAAAAAAAAAAAAAAAAAAAAAAAAAAAAAAAAAAAA/AAAAAAAAAKCGAQAAAAAAAAAAAAAAAAAMAAAAAQAAAAAAAAAAAAAAAAAAAB8AAABUAAAAAAAABQAAAAEAAAAAAAAAAAAAAAAAAAAAAAAAAAAAAAAAAAAAAAAAAAAAAAJ/f38AAAAAA8zMzADAwP8Af39/AAAAAAAAAAAAAAAAAAAAAAAAAAAAIQAAABgAAAAUAAAAoRkAABsnAABfMQAAWSkAABAAAAAmAAAACAAAAAAAAAAAAAAA"/>
+                <pr:smNativeData xmlns:pr="smNativeData" xmlns="smNativeData" val="SMDATA_15_msZJaRMAAAAlAAAAZAAAAA0AAAAAkAAAAEgAAACQAAAASAAAAAAAAAABAAAAAAAAAAEAAABQAAAAAAAAAAAA4D8AAAAAAADgPwAAAAAAAOA/AAAAAAAA4D8AAAAAAADgPwAAAAAAAOA/AAAAAAAA4D8AAAAAAADgPwAAAAAAAOA/AAAAAAAA4D8CAAAAjAAAAAAAAAAAAAAAu+DjDP///wgAAAAAAAAAAAAAAAAAAAAAAAAAAAAAAAAAAAAAZAAAAAEAAABAAAAAAAAAAAAAAAAAAAAAAAAAAAAAAAAAAAAAAAAAAAAAAAAAAAAAAAAAAAAAAAAAAAAAAAAAAAAAAAAAAAAAAAAAAAAAAAAAAAAAAAAAAAAAAAAAAAAAFAAAADwAAAAAAAAAAAAAAAAAAAkUAAAAAQAAABQAAAAUAAAAFAAAAAEAAAAAAAAAZAAAAGQAAAAAAAAAZAAAAGQAAAAVAAAAYAAAAAAAAAAAAAAADwAAACADAAAAAAAAAAAAAAEAAACgMgAAVgcAAKr4//8BAAAAf39/AAEAAABkAAAAAAAAABQAAABAHwAAAAAAACYAAAAAAAAAwOD//wAAAAAmAAAAZAAAABYAAABMAAAAAAAAAAAAAAAEAAAAAAAAAAEAAACAgIAKAAAAACgAAAAoAAAAZAAAAGQAAAAAAAAAzMzMAAAAAABQAAAAUAAAAGQAAABkAAAAAAAAABcAAAAUAAAAAAAAAAAAAAD/fwAA/38AAAAAAAAJAAAABAAAAAAAAAAeAAAAaAAAAAAAAAAAAAAAAAAAAAAAAAAAAAAAECcAABAnAAAAAAAAAAAAAAAAAAAAAAAAAAAAAAAAAAAAAAAAAAAAABQAAAAAAAAAwMD/AAAAAABkAAAAMgAAAAAAAABkAAAAAAAAAH9/fwAKAAAAIgAAABgAAAAAAAAAAAAAAAAAAAAAAAAAAAAAAAAAAAAkAAAAJAAAAAAAAAAHAAAAAAAAAAAAAAAAAAAAAAAAAAAAAAAAAAAAf39/ACUAAABYAAAAAAAAAAAAAAAAAAAAAAAAAAAAAAAAAAAAAAAAAAAAAAAAAAAAAAAAAAAAAAA/AAAAAAAAAKCGAQAAAAAAAAAAAAAAAAAMAAAAAQAAAAAAAAAAAAAAAAAAAB8AAABUAAAAAAAABQAAAAEAAAAAAAAAAAAAAAAAAAAAAAAAAAAAAAAAAAAAAAAAAAAAAAJ/f38AAAAAA8zMzADAwP8Af39/AAAAAAAAAAAAAAAAAAAAAAAAAAAAIQAAABgAAAAUAAAAoRkAABsnAABfMQAAWSkAABAAAAAmAAAACAAAAAAAAAAAAAAA"/>
               </a:ext>
             </a:extLst>
           </p:cNvSpPr>
@@ -2154,7 +2156,7 @@
             <a:spLocks noGrp="1" noChangeArrowheads="1"/>
             <a:extLst>
               <a:ext uri="smNativeData">
-                <pr:smNativeData xmlns:pr="smNativeData" xmlns="smNativeData" val="SMDATA_15_SSBGaRMAAAAlAAAAZAAAAA0AAAAAkAAAAEgAAACQAAAASAAAAAAAAAABAAAAAAAAAAEAAABQAAAAAAAAAAAA4D8AAAAAAADgPwAAAAAAAOA/AAAAAAAA4D8AAAAAAADgPwAAAAAAAOA/AAAAAAAA4D8AAAAAAADgPwAAAAAAAOA/AAAAAAAA4D8CAAAAjAAAAAAAAAAAAAAAu+DjDP///wgAAAAAAAAAAAAAAAAAAAAAAAAAAAAAAAAAAAAAZAAAAAEAAABAAAAAAAAAAAAAAAAAAAAAAAAAAAAAAAAAAAAAAAAAAAAAAAAAAAAAAAAAAAAAAAAAAAAAAAAAAAAAAAAAAAAAAAAAAAAAAAAAAAAAAAAAAAAAAAAAAAAAFAAAADwAAAAAAAAAAAAAAAAAAAkUAAAAAQAAABQAAAAUAAAAFAAAAAEAAAAAAAAAZAAAAGQAAAAAAAAAZAAAAGQAAAAVAAAAYAAAAAAAAAAAAAAADwAAACADAAAAAAAAAAAAAAEAAACgMgAAVgcAAKr4//8BAAAAf39/AAEAAABkAAAAAAAAABQAAABAHwAAAAAAACYAAAAAAAAAwOD//wAAAAAmAAAAZAAAABYAAABMAAAAAAAAAAAAAAAEAAAAAAAAAAEAAACAgIAKAAAAACgAAAAoAAAAZAAAAGQAAAAAAAAAzMzMAAAAAABQAAAAUAAAAGQAAABkAAAAAAAAABcAAAAUAAAAAAAAAAAAAAD/fwAA/38AAAAAAAAJAAAABAAAAAAAAAAeAAAAaAAAAAAAAAAAAAAAAAAAAAAAAAAAAAAAECcAABAnAAAAAAAAAAAAAAAAAAAAAAAAAAAAAAAAAAAAAAAAAAAAABQAAAAAAAAAwMD/AAAAAABkAAAAMgAAAAAAAABkAAAAAAAAAH9/fwAKAAAAIgAAABgAAAAAAAAAAAAAAAAAAAAAAAAAAAAAAAAAAAAkAAAAJAAAAAAAAAAHAAAAAAAAAAAAAAAAAAAAAAAAAAAAAAAAAAAAf39/ACUAAABYAAAAAAAAAAAAAAAAAAAAAAAAAAAAAAAAAAAAAAAAAAAAAAAAAAAAAAAAAAAAAAA/AAAAAAAAAKCGAQAAAAAAAAAAAAAAAAAMAAAAAQAAAAAAAAAAAAAAAAAAAB8AAABUAAAAAAAABQAAAAEAAAAAAAAAAAAAAAAAAAAAAAAAAAAAAAAAAAAAAAAAAAAAAAJ/f38AAAAAA8zMzADAwP8Af39/AAAAAAAAAAAAAAAAAAAAAAAAAAAAIQAAABgAAAAUAAAAwTUAABsnAABARwAAWSkAABAAAAAmAAAACAAAAAAAAAAAAAAA"/>
+                <pr:smNativeData xmlns:pr="smNativeData" xmlns="smNativeData" val="SMDATA_15_msZJaRMAAAAlAAAAZAAAAA0AAAAAkAAAAEgAAACQAAAASAAAAAAAAAABAAAAAAAAAAEAAABQAAAAAAAAAAAA4D8AAAAAAADgPwAAAAAAAOA/AAAAAAAA4D8AAAAAAADgPwAAAAAAAOA/AAAAAAAA4D8AAAAAAADgPwAAAAAAAOA/AAAAAAAA4D8CAAAAjAAAAAAAAAAAAAAAu+DjDP///wgAAAAAAAAAAAAAAAAAAAAAAAAAAAAAAAAAAAAAZAAAAAEAAABAAAAAAAAAAAAAAAAAAAAAAAAAAAAAAAAAAAAAAAAAAAAAAAAAAAAAAAAAAAAAAAAAAAAAAAAAAAAAAAAAAAAAAAAAAAAAAAAAAAAAAAAAAAAAAAAAAAAAFAAAADwAAAAAAAAAAAAAAAAAAAkUAAAAAQAAABQAAAAUAAAAFAAAAAEAAAAAAAAAZAAAAGQAAAAAAAAAZAAAAGQAAAAVAAAAYAAAAAAAAAAAAAAADwAAACADAAAAAAAAAAAAAAEAAACgMgAAVgcAAKr4//8BAAAAf39/AAEAAABkAAAAAAAAABQAAABAHwAAAAAAACYAAAAAAAAAwOD//wAAAAAmAAAAZAAAABYAAABMAAAAAAAAAAAAAAAEAAAAAAAAAAEAAACAgIAKAAAAACgAAAAoAAAAZAAAAGQAAAAAAAAAzMzMAAAAAABQAAAAUAAAAGQAAABkAAAAAAAAABcAAAAUAAAAAAAAAAAAAAD/fwAA/38AAAAAAAAJAAAABAAAAAAAAAAeAAAAaAAAAAAAAAAAAAAAAAAAAAAAAAAAAAAAECcAABAnAAAAAAAAAAAAAAAAAAAAAAAAAAAAAAAAAAAAAAAAAAAAABQAAAAAAAAAwMD/AAAAAABkAAAAMgAAAAAAAABkAAAAAAAAAH9/fwAKAAAAIgAAABgAAAAAAAAAAAAAAAAAAAAAAAAAAAAAAAAAAAAkAAAAJAAAAAAAAAAHAAAAAAAAAAAAAAAAAAAAAAAAAAAAAAAAAAAAf39/ACUAAABYAAAAAAAAAAAAAAAAAAAAAAAAAAAAAAAAAAAAAAAAAAAAAAAAAAAAAAAAAAAAAAA/AAAAAAAAAKCGAQAAAAAAAAAAAAAAAAAMAAAAAQAAAAAAAAAAAAAAAAAAAB8AAABUAAAAAAAABQAAAAEAAAAAAAAAAAAAAAAAAAAAAAAAAAAAAAAAAAAAAAAAAAAAAAJ/f38AAAAAA8zMzADAwP8Af39/AAAAAAAAAAAAAAAAAAAAAAAAAAAAIQAAABgAAAAUAAAAwTUAABsnAABARwAAWSkAABAAAAAmAAAACAAAAAAAAAAAAAAA"/>
               </a:ext>
             </a:extLst>
           </p:cNvSpPr>
@@ -2168,7 +2170,7 @@
           <a:lstStyle/>
           <a:p>
             <a:pPr/>
-            <a:fld id="{1B0ED143-0DF6-5B27-B8B6-FB729FF84EAE}" type="slidenum">
+            <a:fld id="{0DCF6EBF-F1E0-9A98-AE77-07CD20395852}" type="slidenum">
               <a:t>‹#›</a:t>
             </a:fld>
           </a:p>
@@ -2207,7 +2209,7 @@
             <a:spLocks noGrp="1" noChangeArrowheads="1"/>
             <a:extLst>
               <a:ext uri="smNativeData">
-                <pr:smNativeData xmlns:pr="smNativeData" xmlns="smNativeData" val="SMDATA_15_SSBGaRMAAAAlAAAAZAAAAA0AAAAAkAAAAEgAAACQAAAASAAAAAAAAAACAAAAAAAAAAEAAABQAAAAAAAAAAAA4D8AAAAAAADgPwAAAAAAAOA/AAAAAAAA4D8AAAAAAADgPwAAAAAAAOA/AAAAAAAA4D8AAAAAAADgPwAAAAAAAOA/AAAAAAAA4D8CAAAAjAAAAAAAAAAAAAAAu+DjDP///wgAAAAAAAAAAAAAAAAAAAAAAAAAAAAAAAAAAAAAZAAAAAEAAABAAAAAAAAAAAAAAAAAAAAAAAAAAAAAAAAAAAAAAAAAAAAAAAAAAAAAAAAAAAAAAAAAAAAAAAAAAAAAAAAAAAAAAAAAAAAAAAAAAAAAAAAAAAAAAAAAAAAAFAAAADwAAAAAAAAAAAAAAAAAAAkUAAAAAQAAABQAAAAUAAAAFAAAAAEAAAAAAAAAZAAAAGQAAAAAAAAAZAAAAGQAAAAVAAAAYAAAAAAAAAAAAAAADwAAACADAAAAAAAAAAAAAAEAAACgMgAAVgcAAKr4//8BAAAAf39/AAEAAABkAAAAAAAAABQAAABAHwAAAAAAACYAAAAAAAAAwOD//wAAAAAmAAAAZAAAABYAAABMAAAAAAAAAAAAAAAEAAAAAAAAAAEAAACAgIAKAAAAACgAAAAoAAAAZAAAAGQAAAAAAAAAzMzMAAAAAABQAAAAUAAAAGQAAABkAAAAAAAAABcAAAAUAAAAAAAAAAAAAAD/fwAA/38AAAAAAAAJAAAABAAAAGkAZAAeAAAAaAAAAAAAAAAAAAAAAAAAAAAAAAAAAAAAECcAABAnAAAAAAAAAAAAAAAAAAAAAAAAAAAAAAAAAAAAAAAAAAAAABQAAAAAAAAAwMD/AAAAAABkAAAAMgAAAAAAAABkAAAAAAAAAH9/fwAKAAAAIgAAABgAAAAAAAAAAAAAAAAAAAAAAAAAAAAAAAAAAAAkAAAAJAAAAAAAAAAHAAAAAAAAAAAAAAAAAAAAAAAAAAAAAAAAAAAAf39/ACUAAABYAAAAAAAAAAAAAAAAAAAAAAAAAAAAAAAAAAAAAAAAAAAAAAAAAAAAAAAAAAAAAAA/AAAAAAAAAKCGAQAAAAAAAAAAAAAAAAAMAAAAAQAAAAAAAAAAAAAAAAAAAB8AAABUAAAAAAAABQAAAAEAAAAAAAAAAAAAAAAAAAAAAAAAAAAAAAAAAAAAAAAAAAAAAAJ/f38AAAAAA8zMzADAwP8Af39/AAAAAAAAAAAAAAAAAAAAAAAAAAAAIQAAABgAAAAUAAAAwAMAAK4BAABtHAAA1AgAABAAAAAmAAAACAAAAIGQAAAAAAAA"/>
+                <pr:smNativeData xmlns:pr="smNativeData" xmlns="smNativeData" val="SMDATA_15_msZJaRMAAAAlAAAAZAAAAA0AAAAAkAAAAEgAAACQAAAASAAAAAAAAAACAAAAAAAAAAEAAABQAAAAAAAAAAAA4D8AAAAAAADgPwAAAAAAAOA/AAAAAAAA4D8AAAAAAADgPwAAAAAAAOA/AAAAAAAA4D8AAAAAAADgPwAAAAAAAOA/AAAAAAAA4D8CAAAAjAAAAAAAAAAAAAAAu+DjDP///wgAAAAAAAAAAAAAAAAAAAAAAAAAAAAAAAAAAAAAZAAAAAEAAABAAAAAAAAAAAAAAAAAAAAAAAAAAAAAAAAAAAAAAAAAAAAAAAAAAAAAAAAAAAAAAAAAAAAAAAAAAAAAAAAAAAAAAAAAAAAAAAAAAAAAAAAAAAAAAAAAAAAAFAAAADwAAAAAAAAAAAAAAAAAAAkUAAAAAQAAABQAAAAUAAAAFAAAAAEAAAAAAAAAZAAAAGQAAAAAAAAAZAAAAGQAAAAVAAAAYAAAAAAAAAAAAAAADwAAACADAAAAAAAAAAAAAAEAAACgMgAAVgcAAKr4//8BAAAAf39/AAEAAABkAAAAAAAAABQAAABAHwAAAAAAACYAAAAAAAAAwOD//wAAAAAmAAAAZAAAABYAAABMAAAAAAAAAAAAAAAEAAAAAAAAAAEAAACAgIAKAAAAACgAAAAoAAAAZAAAAGQAAAAAAAAAzMzMAAAAAABQAAAAUAAAAGQAAABkAAAAAAAAABcAAAAUAAAAAAAAAAAAAAD/fwAA/38AAAAAAAAJAAAABAAAAGkAZAAeAAAAaAAAAAAAAAAAAAAAAAAAAAAAAAAAAAAAECcAABAnAAAAAAAAAAAAAAAAAAAAAAAAAAAAAAAAAAAAAAAAAAAAABQAAAAAAAAAwMD/AAAAAABkAAAAMgAAAAAAAABkAAAAAAAAAH9/fwAKAAAAIgAAABgAAAAAAAAAAAAAAAAAAAAAAAAAAAAAAAAAAAAkAAAAJAAAAAAAAAAHAAAAAAAAAAAAAAAAAAAAAAAAAAAAAAAAAAAAf39/ACUAAABYAAAAAAAAAAAAAAAAAAAAAAAAAAAAAAAAAAAAAAAAAAAAAAAAAAAAAAAAAAAAAAA/AAAAAAAAAKCGAQAAAAAAAAAAAAAAAAAMAAAAAQAAAAAAAAAAAAAAAAAAAB8AAABUAAAAAAAABQAAAAEAAAAAAAAAAAAAAAAAAAAAAAAAAAAAAAAAAAAAAAAAAAAAAAJ/f38AAAAAA8zMzADAwP8Af39/AAAAAAAAAAAAAAAAAAAAAAAAAAAAIQAAABgAAAAUAAAAwAMAAK4BAABtHAAA1AgAABAAAAAmAAAACAAAAIGQAAAAAAAA"/>
               </a:ext>
             </a:extLst>
           </p:cNvSpPr>
@@ -2247,7 +2249,7 @@
             <a:spLocks noGrp="1" noChangeArrowheads="1"/>
             <a:extLst>
               <a:ext uri="smNativeData">
-                <pr:smNativeData xmlns:pr="smNativeData" xmlns="smNativeData" val="SMDATA_15_SSBGaRMAAAAlAAAAZAAAAA0AAAAAkAAAAEgAAACQAAAASAAAAAAAAAAAAAAAAAAAAAEAAABQAAAAAAAAAAAA4D8AAAAAAADgPwAAAAAAAOA/AAAAAAAA4D8AAAAAAADgPwAAAAAAAOA/AAAAAAAA4D8AAAAAAADgPwAAAAAAAOA/AAAAAAAA4D8CAAAAjAAAAAAAAAAAAAAAu+DjDP///wgAAAAAAAAAAAAAAAAAAAAAAAAAAAAAAAAAAAAAZAAAAAEAAABAAAAAAAAAAAAAAAAAAAAAAAAAAAAAAAAAAAAAAAAAAAAAAAAAAAAAAAAAAAAAAAAAAAAAAAAAAAAAAAAAAAAAAAAAAAAAAAAAAAAAAAAAAAAAAAAAAAAAFAAAADwAAAAAAAAAAAAAAAAAAAkUAAAAAQAAABQAAAAUAAAAFAAAAAEAAAAAAAAAZAAAAGQAAAAAAAAAZAAAAGQAAAAVAAAAYAAAAAAAAAAAAAAADwAAACADAAAAAAAAAAAAAAEAAACgMgAAVgcAAKr4//8BAAAAf39/AAEAAABkAAAAAAAAABQAAABAHwAAAAAAACYAAAAAAAAAwOD//wAAAAAmAAAAZAAAABYAAABMAAAAAAAAAAAAAAAEAAAAAAAAAAEAAACAgIAKAAAAACgAAAAoAAAAZAAAAGQAAAAAAAAAzMzMAAAAAABQAAAAUAAAAGQAAABkAAAAAAAAABcAAAAUAAAAAAAAAAAAAAD/fwAA/38AAAAAAAAJAAAABAAAAAAAAAAeAAAAaAAAAAAAAAAAAAAAAAAAAAAAAAAAAAAAECcAABAnAAAAAAAAAAAAAAAAAAAAAAAAAAAAAAAAAAAAAAAAAAAAABQAAAAAAAAAwMD/AAAAAABkAAAAMgAAAAAAAABkAAAAAAAAAH9/fwAKAAAAIgAAABgAAAAAAAAAAAAAAAAAAAAAAAAAAAAAAAAAAAAkAAAAJAAAAAAAAAAHAAAAAAAAAAAAAAAAAAAAAAAAAAAAAAAAAAAAf39/ACUAAABYAAAAAAAAAAAAAAAAAAAAAAAAAAAAAAAAAAAAAAAAAAAAAAAAAAAAAAAAAAAAAAA/AAAAAAAAAKCGAQAAAAAAAAAAAAAAAAAMAAAAAQAAAAAAAAAAAAAAAAAAAB8AAABUAAAAAAAABQAAAAEAAAAAAAAAAAAAAAAAAAAAAAAAAAAAAAAAAAAAAAAAAAAAAAJ/f38AAAAAA8zMzADAwP8Af39/AAAAAAAAAAAAAAAAAAAAAAAAAAAAIQAAABgAAAAUAAAAUx0AAK4BAABARwAAsCUAABAAAAAmAAAACAAAAAGAAAAAAAAA"/>
+                <pr:smNativeData xmlns:pr="smNativeData" xmlns="smNativeData" val="SMDATA_15_msZJaRMAAAAlAAAAZAAAAA0AAAAAkAAAAEgAAACQAAAASAAAAAAAAAAAAAAAAAAAAAEAAABQAAAAAAAAAAAA4D8AAAAAAADgPwAAAAAAAOA/AAAAAAAA4D8AAAAAAADgPwAAAAAAAOA/AAAAAAAA4D8AAAAAAADgPwAAAAAAAOA/AAAAAAAA4D8CAAAAjAAAAAAAAAAAAAAAu+DjDP///wgAAAAAAAAAAAAAAAAAAAAAAAAAAAAAAAAAAAAAZAAAAAEAAABAAAAAAAAAAAAAAAAAAAAAAAAAAAAAAAAAAAAAAAAAAAAAAAAAAAAAAAAAAAAAAAAAAAAAAAAAAAAAAAAAAAAAAAAAAAAAAAAAAAAAAAAAAAAAAAAAAAAAFAAAADwAAAAAAAAAAAAAAAAAAAkUAAAAAQAAABQAAAAUAAAAFAAAAAEAAAAAAAAAZAAAAGQAAAAAAAAAZAAAAGQAAAAVAAAAYAAAAAAAAAAAAAAADwAAACADAAAAAAAAAAAAAAEAAACgMgAAVgcAAKr4//8BAAAAf39/AAEAAABkAAAAAAAAABQAAABAHwAAAAAAACYAAAAAAAAAwOD//wAAAAAmAAAAZAAAABYAAABMAAAAAAAAAAAAAAAEAAAAAAAAAAEAAACAgIAKAAAAACgAAAAoAAAAZAAAAGQAAAAAAAAAzMzMAAAAAABQAAAAUAAAAGQAAABkAAAAAAAAABcAAAAUAAAAAAAAAAAAAAD/fwAA/38AAAAAAAAJAAAABAAAAAAAAAAeAAAAaAAAAAAAAAAAAAAAAAAAAAAAAAAAAAAAECcAABAnAAAAAAAAAAAAAAAAAAAAAAAAAAAAAAAAAAAAAAAAAAAAABQAAAAAAAAAwMD/AAAAAABkAAAAMgAAAAAAAABkAAAAAAAAAH9/fwAKAAAAIgAAABgAAAAAAAAAAAAAAAAAAAAAAAAAAAAAAAAAAAAkAAAAJAAAAAAAAAAHAAAAAAAAAAAAAAAAAAAAAAAAAAAAAAAAAAAAf39/ACUAAABYAAAAAAAAAAAAAAAAAAAAAAAAAAAAAAAAAAAAAAAAAAAAAAAAAAAAAAAAAAAAAAA/AAAAAAAAAKCGAQAAAAAAAAAAAAAAAAAMAAAAAQAAAAAAAAAAAAAAAAAAAB8AAABUAAAAAAAABQAAAAEAAAAAAAAAAAAAAAAAAAAAAAAAAAAAAAAAAAAAAAAAAAAAAAJ/f38AAAAAA8zMzADAwP8Af39/AAAAAAAAAAAAAAAAAAAAAAAAAAAAIQAAABgAAAAUAAAAUx0AAK4BAABARwAAsCUAABAAAAAmAAAACAAAAAGAAAAAAAAA"/>
               </a:ext>
             </a:extLst>
           </p:cNvSpPr>
@@ -2331,7 +2333,7 @@
             <a:spLocks noGrp="1" noChangeArrowheads="1"/>
             <a:extLst>
               <a:ext uri="smNativeData">
-                <pr:smNativeData xmlns:pr="smNativeData" xmlns="smNativeData" val="SMDATA_15_SSBGaRMAAAAlAAAAZAAAAA0AAAAAkAAAAEgAAACQAAAASAAAAAAAAAAAAAAAAAAAAAEAAABQAAAAAAAAAAAA4D8AAAAAAADgPwAAAAAAAOA/AAAAAAAA4D8AAAAAAADgPwAAAAAAAOA/AAAAAAAA4D8AAAAAAADgPwAAAAAAAOA/AAAAAAAA4D8CAAAAjAAAAAAAAAAAAAAAu+DjDP///wgAAAAAAAAAAAAAAAAAAAAAAAAAAAAAAAAAAAAAZAAAAAEAAABAAAAAAAAAAAAAAAAAAAAAAAAAAAAAAAAAAAAAAAAAAAAAAAAAAAAAAAAAAAAAAAAAAAAAAAAAAAAAAAAAAAAAAAAAAAAAAAAAAAAAAAAAAAAAAAAAAAAAFAAAADwAAAAAAAAAAAAAAAAAAAkUAAAAAQAAABQAAAAUAAAAFAAAAAEAAAAAAAAAZAAAAGQAAAAAAAAAZAAAAGQAAAAVAAAAYAAAAAAAAAAAAAAADwAAACADAAAAAAAAAAAAAAEAAACgMgAAVgcAAKr4//8BAAAAf39/AAEAAABkAAAAAAAAABQAAABAHwAAAAAAACYAAAAAAAAAwOD//wAAAAAmAAAAZAAAABYAAABMAAAAAAAAAAAAAAAEAAAAAAAAAAEAAACAgIAKAAAAACgAAAAoAAAAZAAAAGQAAAAAAAAAzMzMAAAAAABQAAAAUAAAAGQAAABkAAAAAAAAABcAAAAUAAAAAAAAAAAAAAD/fwAA/38AAAAAAAAJAAAABAAAAAAAAAAeAAAAaAAAAAAAAAAAAAAAAAAAAAAAAAAAAAAAECcAABAnAAAAAAAAAAAAAAAAAAAAAAAAAAAAAAAAAAAAAAAAAAAAABQAAAAAAAAAwMD/AAAAAABkAAAAMgAAAAAAAABkAAAAAAAAAH9/fwAKAAAAIgAAABgAAAAAAAAAAAAAAAAAAAAAAAAAAAAAAAAAAAAkAAAAJAAAAAAAAAAHAAAAAAAAAAAAAAAAAAAAAAAAAAAAAAAAAAAAf39/ACUAAABYAAAAAAAAAAAAAAAAAAAAAAAAAAAAAAAAAAAAAAAAAAAAAAAAAAAAAAAAAAAAAAA/AAAAAAAAAKCGAQAAAAAAAAAAAAAAAAAMAAAAAQAAAAAAAAAAAAAAAAAAAB8AAABUAAAAAAAABQAAAAEAAAAAAAAAAAAAAAAAAAAAAAAAAAAAAAAAAAAAAAAAAAAAAAJ/f38AAAAAA8zMzADAwP8Af39/AAAAAAAAAAAAAAAAAAAAAAAAAAAAIQAAABgAAAAUAAAAwAMAANQIAABtHAAAsCUAABAAAAAmAAAACAAAAAGAAAAAAAAA"/>
+                <pr:smNativeData xmlns:pr="smNativeData" xmlns="smNativeData" val="SMDATA_15_msZJaRMAAAAlAAAAZAAAAA0AAAAAkAAAAEgAAACQAAAASAAAAAAAAAAAAAAAAAAAAAEAAABQAAAAAAAAAAAA4D8AAAAAAADgPwAAAAAAAOA/AAAAAAAA4D8AAAAAAADgPwAAAAAAAOA/AAAAAAAA4D8AAAAAAADgPwAAAAAAAOA/AAAAAAAA4D8CAAAAjAAAAAAAAAAAAAAAu+DjDP///wgAAAAAAAAAAAAAAAAAAAAAAAAAAAAAAAAAAAAAZAAAAAEAAABAAAAAAAAAAAAAAAAAAAAAAAAAAAAAAAAAAAAAAAAAAAAAAAAAAAAAAAAAAAAAAAAAAAAAAAAAAAAAAAAAAAAAAAAAAAAAAAAAAAAAAAAAAAAAAAAAAAAAFAAAADwAAAAAAAAAAAAAAAAAAAkUAAAAAQAAABQAAAAUAAAAFAAAAAEAAAAAAAAAZAAAAGQAAAAAAAAAZAAAAGQAAAAVAAAAYAAAAAAAAAAAAAAADwAAACADAAAAAAAAAAAAAAEAAACgMgAAVgcAAKr4//8BAAAAf39/AAEAAABkAAAAAAAAABQAAABAHwAAAAAAACYAAAAAAAAAwOD//wAAAAAmAAAAZAAAABYAAABMAAAAAAAAAAAAAAAEAAAAAAAAAAEAAACAgIAKAAAAACgAAAAoAAAAZAAAAGQAAAAAAAAAzMzMAAAAAABQAAAAUAAAAGQAAABkAAAAAAAAABcAAAAUAAAAAAAAAAAAAAD/fwAA/38AAAAAAAAJAAAABAAAAAAAAAAeAAAAaAAAAAAAAAAAAAAAAAAAAAAAAAAAAAAAECcAABAnAAAAAAAAAAAAAAAAAAAAAAAAAAAAAAAAAAAAAAAAAAAAABQAAAAAAAAAwMD/AAAAAABkAAAAMgAAAAAAAABkAAAAAAAAAH9/fwAKAAAAIgAAABgAAAAAAAAAAAAAAAAAAAAAAAAAAAAAAAAAAAAkAAAAJAAAAAAAAAAHAAAAAAAAAAAAAAAAAAAAAAAAAAAAAAAAAAAAf39/ACUAAABYAAAAAAAAAAAAAAAAAAAAAAAAAAAAAAAAAAAAAAAAAAAAAAAAAAAAAAAAAAAAAAA/AAAAAAAAAKCGAQAAAAAAAAAAAAAAAAAMAAAAAQAAAAAAAAAAAAAAAAAAAB8AAABUAAAAAAAABQAAAAEAAAAAAAAAAAAAAAAAAAAAAAAAAAAAAAAAAAAAAAAAAAAAAAJ/f38AAAAAA8zMzADAwP8Af39/AAAAAAAAAAAAAAAAAAAAAAAAAAAAIQAAABgAAAAUAAAAwAMAANQIAABtHAAAsCUAABAAAAAmAAAACAAAAAGAAAAAAAAA"/>
               </a:ext>
             </a:extLst>
           </p:cNvSpPr>
@@ -2400,7 +2402,7 @@
             <a:spLocks noGrp="1" noChangeArrowheads="1"/>
             <a:extLst>
               <a:ext uri="smNativeData">
-                <pr:smNativeData xmlns:pr="smNativeData" xmlns="smNativeData" val="SMDATA_15_SSBGaRMAAAAlAAAAZAAAAA0AAAAAkAAAAEgAAACQAAAASAAAAAAAAAABAAAAAAAAAAEAAABQAAAAAAAAAAAA4D8AAAAAAADgPwAAAAAAAOA/AAAAAAAA4D8AAAAAAADgPwAAAAAAAOA/AAAAAAAA4D8AAAAAAADgPwAAAAAAAOA/AAAAAAAA4D8CAAAAjAAAAAAAAAAAAAAAu+DjDP///wgAAAAAAAAAAAAAAAAAAAAAAAAAAAAAAAAAAAAAZAAAAAEAAABAAAAAAAAAAAAAAAAAAAAAAAAAAAAAAAAAAAAAAAAAAAAAAAAAAAAAAAAAAAAAAAAAAAAAAAAAAAAAAAAAAAAAAAAAAAAAAAAAAAAAAAAAAAAAAAAAAAAAFAAAADwAAAAAAAAAAAAAAAAAAAkUAAAAAQAAABQAAAAUAAAAFAAAAAEAAAAAAAAAZAAAAGQAAAAAAAAAZAAAAGQAAAAVAAAAYAAAAAAAAAAAAAAADwAAACADAAAAAAAAAAAAAAEAAACgMgAAVgcAAKr4//8BAAAAf39/AAEAAABkAAAAAAAAABQAAABAHwAAAAAAACYAAAAAAAAAwOD//wAAAAAmAAAAZAAAABYAAABMAAAAAAAAAAAAAAAEAAAAAAAAAAEAAACAgIAKAAAAACgAAAAoAAAAZAAAAGQAAAAAAAAAzMzMAAAAAABQAAAAUAAAAGQAAABkAAAAAAAAABcAAAAUAAAAAAAAAAAAAAD/fwAA/38AAAAAAAAJAAAABAAAAAAAAAAeAAAAaAAAAAAAAAAAAAAAAAAAAAAAAAAAAAAAECcAABAnAAAAAAAAAAAAAAAAAAAAAAAAAAAAAAAAAAAAAAAAAAAAABQAAAAAAAAAwMD/AAAAAABkAAAAMgAAAAAAAABkAAAAAAAAAH9/fwAKAAAAIgAAABgAAAAAAAAAAAAAAAAAAAAAAAAAAAAAAAAAAAAkAAAAJAAAAAAAAAAHAAAAAAAAAAAAAAAAAAAAAAAAAAAAAAAAAAAAf39/ACUAAABYAAAAAAAAAAAAAAAAAAAAAAAAAAAAAAAAAAAAAAAAAAAAAAAAAAAAAAAAAAAAAAA/AAAAAAAAAKCGAQAAAAAAAAAAAAAAAAAMAAAAAQAAAAAAAAAAAAAAAAAAAB8AAABUAAAAAAAABQAAAAEAAAAAAAAAAAAAAAAAAAAAAAAAAAAAAAAAAAAAAAAAAAAAAAJ/f38AAAAAA8zMzADAwP8Af39/AAAAAAAAAAAAAAAAAAAAAAAAAAAAIQAAABgAAAAUAAAAwAMAABsnAAA/FQAAWSkAABAAAAAmAAAACAAAAAAAAAAAAAAA"/>
+                <pr:smNativeData xmlns:pr="smNativeData" xmlns="smNativeData" val="SMDATA_15_msZJaRMAAAAlAAAAZAAAAA0AAAAAkAAAAEgAAACQAAAASAAAAAAAAAABAAAAAAAAAAEAAABQAAAAAAAAAAAA4D8AAAAAAADgPwAAAAAAAOA/AAAAAAAA4D8AAAAAAADgPwAAAAAAAOA/AAAAAAAA4D8AAAAAAADgPwAAAAAAAOA/AAAAAAAA4D8CAAAAjAAAAAAAAAAAAAAAu+DjDP///wgAAAAAAAAAAAAAAAAAAAAAAAAAAAAAAAAAAAAAZAAAAAEAAABAAAAAAAAAAAAAAAAAAAAAAAAAAAAAAAAAAAAAAAAAAAAAAAAAAAAAAAAAAAAAAAAAAAAAAAAAAAAAAAAAAAAAAAAAAAAAAAAAAAAAAAAAAAAAAAAAAAAAFAAAADwAAAAAAAAAAAAAAAAAAAkUAAAAAQAAABQAAAAUAAAAFAAAAAEAAAAAAAAAZAAAAGQAAAAAAAAAZAAAAGQAAAAVAAAAYAAAAAAAAAAAAAAADwAAACADAAAAAAAAAAAAAAEAAACgMgAAVgcAAKr4//8BAAAAf39/AAEAAABkAAAAAAAAABQAAABAHwAAAAAAACYAAAAAAAAAwOD//wAAAAAmAAAAZAAAABYAAABMAAAAAAAAAAAAAAAEAAAAAAAAAAEAAACAgIAKAAAAACgAAAAoAAAAZAAAAGQAAAAAAAAAzMzMAAAAAABQAAAAUAAAAGQAAABkAAAAAAAAABcAAAAUAAAAAAAAAAAAAAD/fwAA/38AAAAAAAAJAAAABAAAAAAAAAAeAAAAaAAAAAAAAAAAAAAAAAAAAAAAAAAAAAAAECcAABAnAAAAAAAAAAAAAAAAAAAAAAAAAAAAAAAAAAAAAAAAAAAAABQAAAAAAAAAwMD/AAAAAABkAAAAMgAAAAAAAABkAAAAAAAAAH9/fwAKAAAAIgAAABgAAAAAAAAAAAAAAAAAAAAAAAAAAAAAAAAAAAAkAAAAJAAAAAAAAAAHAAAAAAAAAAAAAAAAAAAAAAAAAAAAAAAAAAAAf39/ACUAAABYAAAAAAAAAAAAAAAAAAAAAAAAAAAAAAAAAAAAAAAAAAAAAAAAAAAAAAAAAAAAAAA/AAAAAAAAAKCGAQAAAAAAAAAAAAAAAAAMAAAAAQAAAAAAAAAAAAAAAAAAAB8AAABUAAAAAAAABQAAAAEAAAAAAAAAAAAAAAAAAAAAAAAAAAAAAAAAAAAAAAAAAAAAAAJ/f38AAAAAA8zMzADAwP8Af39/AAAAAAAAAAAAAAAAAAAAAAAAAAAAIQAAABgAAAAUAAAAwAMAABsnAAA/FQAAWSkAABAAAAAmAAAACAAAAAAAAAAAAAAA"/>
               </a:ext>
             </a:extLst>
           </p:cNvSpPr>
@@ -2414,7 +2416,7 @@
           <a:lstStyle/>
           <a:p>
             <a:pPr/>
-            <a:fld id="{1B0EB426-68F6-5B42-B8B6-9E17FAF84ECB}" type="datetime1">
+            <a:fld id="{0DCF63AA-E4E0-9A95-AE77-12C02D395847}" type="datetime1">
               <a:t>12/16/2025</a:t>
             </a:fld>
           </a:p>
@@ -2427,7 +2429,7 @@
             <a:spLocks noGrp="1" noChangeArrowheads="1"/>
             <a:extLst>
               <a:ext uri="smNativeData">
-                <pr:smNativeData xmlns:pr="smNativeData" xmlns="smNativeData" val="SMDATA_15_SSBGaRMAAAAlAAAAZAAAAA0AAAAAkAAAAEgAAACQAAAASAAAAAAAAAABAAAAAAAAAAEAAABQAAAAAAAAAAAA4D8AAAAAAADgPwAAAAAAAOA/AAAAAAAA4D8AAAAAAADgPwAAAAAAAOA/AAAAAAAA4D8AAAAAAADgPwAAAAAAAOA/AAAAAAAA4D8CAAAAjAAAAAAAAAAAAAAAu+DjDP///wgAAAAAAAAAAAAAAAAAAAAAAAAAAAAAAAAAAAAAZAAAAAEAAABAAAAAAAAAAAAAAAAAAAAAAAAAAAAAAAAAAAAAAAAAAAAAAAAAAAAAAAAAAAAAAAAAAAAAAAAAAAAAAAAAAAAAAAAAAAAAAAAAAAAAAAAAAAAAAAAAAAAAFAAAADwAAAAAAAAAAAAAAAAAAAkUAAAAAQAAABQAAAAUAAAAFAAAAAEAAAAAAAAAZAAAAGQAAAAAAAAAZAAAAGQAAAAVAAAAYAAAAAAAAAAAAAAADwAAACADAAAAAAAAAAAAAAEAAACgMgAAVgcAAKr4//8BAAAAf39/AAEAAABkAAAAAAAAABQAAABAHwAAAAAAACYAAAAAAAAAwOD//wAAAAAmAAAAZAAAABYAAABMAAAAAAAAAAAAAAAEAAAAAAAAAAEAAACAgIAKAAAAACgAAAAoAAAAZAAAAGQAAAAAAAAAzMzMAAAAAABQAAAAUAAAAGQAAABkAAAAAAAAABcAAAAUAAAAAAAAAAAAAAD/fwAA/38AAAAAAAAJAAAABAAAAAAAAAAeAAAAaAAAAAAAAAAAAAAAAAAAAAAAAAAAAAAAECcAABAnAAAAAAAAAAAAAAAAAAAAAAAAAAAAAAAAAAAAAAAAAAAAABQAAAAAAAAAwMD/AAAAAABkAAAAMgAAAAAAAABkAAAAAAAAAH9/fwAKAAAAIgAAABgAAAAAAAAAAAAAAAAAAAAAAAAAAAAAAAAAAAAkAAAAJAAAAAAAAAAHAAAAAAAAAAAAAAAAAAAAAAAAAAAAAAAAAAAAf39/ACUAAABYAAAAAAAAAAAAAAAAAAAAAAAAAAAAAAAAAAAAAAAAAAAAAAAAAAAAAAAAAAAAAAA/AAAAAAAAAKCGAQAAAAAAAAAAAAAAAAAMAAAAAQAAAAAAAAAAAAAAAAAAAB8AAABUAAAAAAAABQAAAAEAAAAAAAAAAAAAAAAAAAAAAAAAAAAAAAAAAAAAAAAAAAAAAAJ/f38AAAAAA8zMzADAwP8Af39/AAAAAAAAAAAAAAAAAAAAAAAAAAAAIQAAABgAAAAUAAAAoRkAABsnAABfMQAAWSkAABAAAAAmAAAACAAAAAAAAAAAAAAA"/>
+                <pr:smNativeData xmlns:pr="smNativeData" xmlns="smNativeData" val="SMDATA_15_msZJaRMAAAAlAAAAZAAAAA0AAAAAkAAAAEgAAACQAAAASAAAAAAAAAABAAAAAAAAAAEAAABQAAAAAAAAAAAA4D8AAAAAAADgPwAAAAAAAOA/AAAAAAAA4D8AAAAAAADgPwAAAAAAAOA/AAAAAAAA4D8AAAAAAADgPwAAAAAAAOA/AAAAAAAA4D8CAAAAjAAAAAAAAAAAAAAAu+DjDP///wgAAAAAAAAAAAAAAAAAAAAAAAAAAAAAAAAAAAAAZAAAAAEAAABAAAAAAAAAAAAAAAAAAAAAAAAAAAAAAAAAAAAAAAAAAAAAAAAAAAAAAAAAAAAAAAAAAAAAAAAAAAAAAAAAAAAAAAAAAAAAAAAAAAAAAAAAAAAAAAAAAAAAFAAAADwAAAAAAAAAAAAAAAAAAAkUAAAAAQAAABQAAAAUAAAAFAAAAAEAAAAAAAAAZAAAAGQAAAAAAAAAZAAAAGQAAAAVAAAAYAAAAAAAAAAAAAAADwAAACADAAAAAAAAAAAAAAEAAACgMgAAVgcAAKr4//8BAAAAf39/AAEAAABkAAAAAAAAABQAAABAHwAAAAAAACYAAAAAAAAAwOD//wAAAAAmAAAAZAAAABYAAABMAAAAAAAAAAAAAAAEAAAAAAAAAAEAAACAgIAKAAAAACgAAAAoAAAAZAAAAGQAAAAAAAAAzMzMAAAAAABQAAAAUAAAAGQAAABkAAAAAAAAABcAAAAUAAAAAAAAAAAAAAD/fwAA/38AAAAAAAAJAAAABAAAAAAAAAAeAAAAaAAAAAAAAAAAAAAAAAAAAAAAAAAAAAAAECcAABAnAAAAAAAAAAAAAAAAAAAAAAAAAAAAAAAAAAAAAAAAAAAAABQAAAAAAAAAwMD/AAAAAABkAAAAMgAAAAAAAABkAAAAAAAAAH9/fwAKAAAAIgAAABgAAAAAAAAAAAAAAAAAAAAAAAAAAAAAAAAAAAAkAAAAJAAAAAAAAAAHAAAAAAAAAAAAAAAAAAAAAAAAAAAAAAAAAAAAf39/ACUAAABYAAAAAAAAAAAAAAAAAAAAAAAAAAAAAAAAAAAAAAAAAAAAAAAAAAAAAAAAAAAAAAA/AAAAAAAAAKCGAQAAAAAAAAAAAAAAAAAMAAAAAQAAAAAAAAAAAAAAAAAAAB8AAABUAAAAAAAABQAAAAEAAAAAAAAAAAAAAAAAAAAAAAAAAAAAAAAAAAAAAAAAAAAAAAJ/f38AAAAAA8zMzADAwP8Af39/AAAAAAAAAAAAAAAAAAAAAAAAAAAAIQAAABgAAAAUAAAAoRkAABsnAABfMQAAWSkAABAAAAAmAAAACAAAAAAAAAAAAAAA"/>
               </a:ext>
             </a:extLst>
           </p:cNvSpPr>
@@ -2451,7 +2453,7 @@
             <a:spLocks noGrp="1" noChangeArrowheads="1"/>
             <a:extLst>
               <a:ext uri="smNativeData">
-                <pr:smNativeData xmlns:pr="smNativeData" xmlns="smNativeData" val="SMDATA_15_SSBGaRMAAAAlAAAAZAAAAA0AAAAAkAAAAEgAAACQAAAASAAAAAAAAAABAAAAAAAAAAEAAABQAAAAAAAAAAAA4D8AAAAAAADgPwAAAAAAAOA/AAAAAAAA4D8AAAAAAADgPwAAAAAAAOA/AAAAAAAA4D8AAAAAAADgPwAAAAAAAOA/AAAAAAAA4D8CAAAAjAAAAAAAAAAAAAAAu+DjDP///wgAAAAAAAAAAAAAAAAAAAAAAAAAAAAAAAAAAAAAZAAAAAEAAABAAAAAAAAAAAAAAAAAAAAAAAAAAAAAAAAAAAAAAAAAAAAAAAAAAAAAAAAAAAAAAAAAAAAAAAAAAAAAAAAAAAAAAAAAAAAAAAAAAAAAAAAAAAAAAAAAAAAAFAAAADwAAAAAAAAAAAAAAAAAAAkUAAAAAQAAABQAAAAUAAAAFAAAAAEAAAAAAAAAZAAAAGQAAAAAAAAAZAAAAGQAAAAVAAAAYAAAAAAAAAAAAAAADwAAACADAAAAAAAAAAAAAAEAAACgMgAAVgcAAKr4//8BAAAAf39/AAEAAABkAAAAAAAAABQAAABAHwAAAAAAACYAAAAAAAAAwOD//wAAAAAmAAAAZAAAABYAAABMAAAAAAAAAAAAAAAEAAAAAAAAAAEAAACAgIAKAAAAACgAAAAoAAAAZAAAAGQAAAAAAAAAzMzMAAAAAABQAAAAUAAAAGQAAABkAAAAAAAAABcAAAAUAAAAAAAAAAAAAAD/fwAA/38AAAAAAAAJAAAABAAAAAAAAAAeAAAAaAAAAAAAAAAAAAAAAAAAAAAAAAAAAAAAECcAABAnAAAAAAAAAAAAAAAAAAAAAAAAAAAAAAAAAAAAAAAAAAAAABQAAAAAAAAAwMD/AAAAAABkAAAAMgAAAAAAAABkAAAAAAAAAH9/fwAKAAAAIgAAABgAAAAAAAAAAAAAAAAAAAAAAAAAAAAAAAAAAAAkAAAAJAAAAAAAAAAHAAAAAAAAAAAAAAAAAAAAAAAAAAAAAAAAAAAAf39/ACUAAABYAAAAAAAAAAAAAAAAAAAAAAAAAAAAAAAAAAAAAAAAAAAAAAAAAAAAAAAAAAAAAAA/AAAAAAAAAKCGAQAAAAAAAAAAAAAAAAAMAAAAAQAAAAAAAAAAAAAAAAAAAB8AAABUAAAAAAAABQAAAAEAAAAAAAAAAAAAAAAAAAAAAAAAAAAAAAAAAAAAAAAAAAAAAAJ/f38AAAAAA8zMzADAwP8Af39/AAAAAAAAAAAAAAAAAAAAAAAAAAAAIQAAABgAAAAUAAAAwTUAABsnAABARwAAWSkAABAAAAAmAAAACAAAAAAAAAAAAAAA"/>
+                <pr:smNativeData xmlns:pr="smNativeData" xmlns="smNativeData" val="SMDATA_15_msZJaRMAAAAlAAAAZAAAAA0AAAAAkAAAAEgAAACQAAAASAAAAAAAAAABAAAAAAAAAAEAAABQAAAAAAAAAAAA4D8AAAAAAADgPwAAAAAAAOA/AAAAAAAA4D8AAAAAAADgPwAAAAAAAOA/AAAAAAAA4D8AAAAAAADgPwAAAAAAAOA/AAAAAAAA4D8CAAAAjAAAAAAAAAAAAAAAu+DjDP///wgAAAAAAAAAAAAAAAAAAAAAAAAAAAAAAAAAAAAAZAAAAAEAAABAAAAAAAAAAAAAAAAAAAAAAAAAAAAAAAAAAAAAAAAAAAAAAAAAAAAAAAAAAAAAAAAAAAAAAAAAAAAAAAAAAAAAAAAAAAAAAAAAAAAAAAAAAAAAAAAAAAAAFAAAADwAAAAAAAAAAAAAAAAAAAkUAAAAAQAAABQAAAAUAAAAFAAAAAEAAAAAAAAAZAAAAGQAAAAAAAAAZAAAAGQAAAAVAAAAYAAAAAAAAAAAAAAADwAAACADAAAAAAAAAAAAAAEAAACgMgAAVgcAAKr4//8BAAAAf39/AAEAAABkAAAAAAAAABQAAABAHwAAAAAAACYAAAAAAAAAwOD//wAAAAAmAAAAZAAAABYAAABMAAAAAAAAAAAAAAAEAAAAAAAAAAEAAACAgIAKAAAAACgAAAAoAAAAZAAAAGQAAAAAAAAAzMzMAAAAAABQAAAAUAAAAGQAAABkAAAAAAAAABcAAAAUAAAAAAAAAAAAAAD/fwAA/38AAAAAAAAJAAAABAAAAAAAAAAeAAAAaAAAAAAAAAAAAAAAAAAAAAAAAAAAAAAAECcAABAnAAAAAAAAAAAAAAAAAAAAAAAAAAAAAAAAAAAAAAAAAAAAABQAAAAAAAAAwMD/AAAAAABkAAAAMgAAAAAAAABkAAAAAAAAAH9/fwAKAAAAIgAAABgAAAAAAAAAAAAAAAAAAAAAAAAAAAAAAAAAAAAkAAAAJAAAAAAAAAAHAAAAAAAAAAAAAAAAAAAAAAAAAAAAAAAAAAAAf39/ACUAAABYAAAAAAAAAAAAAAAAAAAAAAAAAAAAAAAAAAAAAAAAAAAAAAAAAAAAAAAAAAAAAAA/AAAAAAAAAKCGAQAAAAAAAAAAAAAAAAAMAAAAAQAAAAAAAAAAAAAAAAAAAB8AAABUAAAAAAAABQAAAAEAAAAAAAAAAAAAAAAAAAAAAAAAAAAAAAAAAAAAAAAAAAAAAAJ/f38AAAAAA8zMzADAwP8Af39/AAAAAAAAAAAAAAAAAAAAAAAAAAAAIQAAABgAAAAUAAAAwTUAABsnAABARwAAWSkAABAAAAAmAAAACAAAAAAAAAAAAAAA"/>
               </a:ext>
             </a:extLst>
           </p:cNvSpPr>
@@ -2465,7 +2467,7 @@
           <a:lstStyle/>
           <a:p>
             <a:pPr/>
-            <a:fld id="{1B0EE919-57F6-5B1F-B8B6-A14AA7F84EF4}" type="slidenum">
+            <a:fld id="{0DCF22EA-A4E0-9AD4-AE77-52816C395807}" type="slidenum">
               <a:t>‹#›</a:t>
             </a:fld>
           </a:p>
@@ -2504,7 +2506,7 @@
             <a:spLocks noGrp="1" noChangeArrowheads="1"/>
             <a:extLst>
               <a:ext uri="smNativeData">
-                <pr:smNativeData xmlns:pr="smNativeData" xmlns="smNativeData" val="SMDATA_15_SSBGaRMAAAAlAAAAZAAAAA0AAAAAkAAAAEgAAACQAAAASAAAAAAAAAACAAAAAAAAAAEAAABQAAAAAAAAAAAA4D8AAAAAAADgPwAAAAAAAOA/AAAAAAAA4D8AAAAAAADgPwAAAAAAAOA/AAAAAAAA4D8AAAAAAADgPwAAAAAAAOA/AAAAAAAA4D8CAAAAjAAAAAAAAAAAAAAAu+DjDP///wgAAAAAAAAAAAAAAAAAAAAAAAAAAAAAAAAAAAAAZAAAAAEAAABAAAAAAAAAAAAAAAAAAAAAAAAAAAAAAAAAAAAAAAAAAAAAAAAAAAAAAAAAAAAAAAAAAAAAAAAAAAAAAAAAAAAAAAAAAAAAAAAAAAAAAAAAAAAAAAAAAAAAFAAAADwAAAAAAAAAAAAAAAAAAAkUAAAAAQAAABQAAAAUAAAAFAAAAAEAAAAAAAAAZAAAAGQAAAAAAAAAZAAAAGQAAAAVAAAAYAAAAAAAAAAAAAAADwAAACADAAAAAAAAAAAAAAEAAACgMgAAVgcAAKr4//8BAAAAf39/AAEAAABkAAAAAAAAABQAAABAHwAAAAAAACYAAAAAAAAAwOD//wAAAAAmAAAAZAAAABYAAABMAAAAAAAAAAAAAAAEAAAAAAAAAAEAAACAgIAKAAAAACgAAAAoAAAAZAAAAGQAAAAAAAAAzMzMAAAAAABQAAAAUAAAAGQAAABkAAAAAAAAABcAAAAUAAAAAAAAAAAAAAD/fwAA/38AAAAAAAAJAAAABAAAAAAAAAAeAAAAaAAAAAAAAAAAAAAAAAAAAAAAAAAAAAAAECcAABAnAAAAAAAAAAAAAAAAAAAAAAAAAAAAAAAAAAAAAAAAAAAAABQAAAAAAAAAwMD/AAAAAABkAAAAMgAAAAAAAABkAAAAAAAAAH9/fwAKAAAAIgAAABgAAAAAAAAAAAAAAAAAAAAAAAAAAAAAAAAAAAAkAAAAJAAAAAAAAAAHAAAAAAAAAAAAAAAAAAAAAAAAAAAAAAAAAAAAf39/ACUAAABYAAAAAAAAAAAAAAAAAAAAAAAAAAAAAAAAAAAAAAAAAAAAAAAAAAAAAAAAAAAAAAA/AAAAAAAAAKCGAQAAAAAAAAAAAAAAAAAMAAAAAQAAAAAAAAAAAAAAAAAAAB8AAABUAAAAAAAABQAAAAEAAAAAAAAAAAAAAAAAAAAAAAAAAAAAAAAAAAAAAAAAAAAAAAJ/f38AAAAAA8zMzADAwP8Af39/AAAAAAAAAAAAAAAAAAAAAAAAAAAAIQAAABgAAAAUAAAAsw4AAIgdAACzOwAABCEAABAAAAAmAAAACAAAAIGQAAAAAAAA"/>
+                <pr:smNativeData xmlns:pr="smNativeData" xmlns="smNativeData" val="SMDATA_15_msZJaRMAAAAlAAAAZAAAAA0AAAAAkAAAAEgAAACQAAAASAAAAAAAAAACAAAAAAAAAAEAAABQAAAAAAAAAAAA4D8AAAAAAADgPwAAAAAAAOA/AAAAAAAA4D8AAAAAAADgPwAAAAAAAOA/AAAAAAAA4D8AAAAAAADgPwAAAAAAAOA/AAAAAAAA4D8CAAAAjAAAAAAAAAAAAAAAu+DjDP///wgAAAAAAAAAAAAAAAAAAAAAAAAAAAAAAAAAAAAAZAAAAAEAAABAAAAAAAAAAAAAAAAAAAAAAAAAAAAAAAAAAAAAAAAAAAAAAAAAAAAAAAAAAAAAAAAAAAAAAAAAAAAAAAAAAAAAAAAAAAAAAAAAAAAAAAAAAAAAAAAAAAAAFAAAADwAAAAAAAAAAAAAAAAAAAkUAAAAAQAAABQAAAAUAAAAFAAAAAEAAAAAAAAAZAAAAGQAAAAAAAAAZAAAAGQAAAAVAAAAYAAAAAAAAAAAAAAADwAAACADAAAAAAAAAAAAAAEAAACgMgAAVgcAAKr4//8BAAAAf39/AAEAAABkAAAAAAAAABQAAABAHwAAAAAAACYAAAAAAAAAwOD//wAAAAAmAAAAZAAAABYAAABMAAAAAAAAAAAAAAAEAAAAAAAAAAEAAACAgIAKAAAAACgAAAAoAAAAZAAAAGQAAAAAAAAAzMzMAAAAAABQAAAAUAAAAGQAAABkAAAAAAAAABcAAAAUAAAAAAAAAAAAAAD/fwAA/38AAAAAAAAJAAAABAAAAAAAAAAeAAAAaAAAAAAAAAAAAAAAAAAAAAAAAAAAAAAAECcAABAnAAAAAAAAAAAAAAAAAAAAAAAAAAAAAAAAAAAAAAAAAAAAABQAAAAAAAAAwMD/AAAAAABkAAAAMgAAAAAAAABkAAAAAAAAAH9/fwAKAAAAIgAAABgAAAAAAAAAAAAAAAAAAAAAAAAAAAAAAAAAAAAkAAAAJAAAAAAAAAAHAAAAAAAAAAAAAAAAAAAAAAAAAAAAAAAAAAAAf39/ACUAAABYAAAAAAAAAAAAAAAAAAAAAAAAAAAAAAAAAAAAAAAAAAAAAAAAAAAAAAAAAAAAAAA/AAAAAAAAAKCGAQAAAAAAAAAAAAAAAAAMAAAAAQAAAAAAAAAAAAAAAAAAAB8AAABUAAAAAAAABQAAAAEAAAAAAAAAAAAAAAAAAAAAAAAAAAAAAAAAAAAAAAAAAAAAAAJ/f38AAAAAA8zMzADAwP8Af39/AAAAAAAAAAAAAAAAAAAAAAAAAAAAIQAAABgAAAAUAAAAsw4AAIgdAACzOwAABCEAABAAAAAmAAAACAAAAIGQAAAAAAAA"/>
               </a:ext>
             </a:extLst>
           </p:cNvSpPr>
@@ -2544,7 +2546,7 @@
             <a:spLocks noGrp="1" noChangeArrowheads="1"/>
             <a:extLst>
               <a:ext uri="smNativeData">
-                <pr:smNativeData xmlns:pr="smNativeData" xmlns="smNativeData" val="SMDATA_15_SSBGaRMAAAAlAAAAZAAAAA0AAAAAkAAAAEgAAACQAAAASAAAAAAAAAAAAAAAAAAAAAEAAABQAAAAAAAAAAAA4D8AAAAAAADgPwAAAAAAAOA/AAAAAAAA4D8AAAAAAADgPwAAAAAAAOA/AAAAAAAA4D8AAAAAAADgPwAAAAAAAOA/AAAAAAAA4D8CAAAAjAAAAAAAAAAAAAAAu+DjDP///wgAAAAAAAAAAAAAAAAAAAAAAAAAAAAAAAAAAAAAZAAAAAEAAABAAAAAAAAAAAAAAAAAAAAAAAAAAAAAAAAAAAAAAAAAAAAAAAAAAAAAAAAAAAAAAAAAAAAAAAAAAAAAAAAAAAAAAAAAAAAAAAAAAAAAAAAAAAAAAAAAAAAAFAAAADwAAAAAAAAAAAAAAAAAAAkUAAAAAQAAABQAAAAUAAAAFAAAAAEAAAAAAAAAZAAAAGQAAAAAAAAAZAAAAGQAAAAVAAAAYAAAAAAAAAAAAAAADwAAACADAAAAAAAAAAAAAAEAAACgMgAAVgcAAKr4//8BAAAAf39/AAEAAABkAAAAAAAAABQAAABAHwAAAAAAACYAAAAAAAAAwOD//wAAAAAmAAAAZAAAABYAAABMAAAAAAAAAAAAAAAEAAAAAAAAAAEAAACAgIAKAAAAACgAAAAoAAAAZAAAAGQAAAAAAAAAzMzMAAAAAABQAAAAUAAAAGQAAABkAAAAAAAAABcAAAAUAAAAAAAAAAAAAAD/fwAA/38AAAAAAAAJAAAABAAAAAAAAAAeAAAAaAAAAAAAAAAAAAAAAAAAAAAAAAAAAAAAECcAABAnAAAAAAAAAAAAAAAAAAAAAAAAAAAAAAAAAAAAAAAAAAAAABQAAAAAAAAAwMD/AAAAAABkAAAAMgAAAAAAAABkAAAAAAAAAH9/fwAKAAAAIgAAABgAAAAAAAAAAAAAAAAAAAAAAAAAAAAAAAAAAAAkAAAAJAAAAAAAAAAHAAAAAAAAAAAAAAAAAAAAAAAAAAAAAAAAAAAAf39/ACUAAABYAAAAAAAAAAAAAAAAAAAAAAAAAAAAAAAAAAAAAAAAAAAAAAAAAAAAAAAAAAAAAAA/AAAAAAAAAKCGAQAAAAAAAAAAAAAAAAAMAAAAAQAAAAAAAAAAAAAAAAAAAB8AAABUAAAAAAAABQAAAAEAAAAAAAAAAAAAAAAAAAAAAAAAAAAAAAAAAAAAAAAAAAAAAAJ/f38AAAAAA8zMzADAwP8Af39/AAAAAAAAAAAAAAAAAAAAAAAAAAAAIQAAABgAAAAUAAAAsw4AAMYDAACzOwAAFh0AABAAAAAmAAAACAAAAAGAAAAAAAAA"/>
+                <pr:smNativeData xmlns:pr="smNativeData" xmlns="smNativeData" val="SMDATA_15_msZJaRMAAAAlAAAAZAAAAA0AAAAAkAAAAEgAAACQAAAASAAAAAAAAAAAAAAAAAAAAAEAAABQAAAAAAAAAAAA4D8AAAAAAADgPwAAAAAAAOA/AAAAAAAA4D8AAAAAAADgPwAAAAAAAOA/AAAAAAAA4D8AAAAAAADgPwAAAAAAAOA/AAAAAAAA4D8CAAAAjAAAAAAAAAAAAAAAu+DjDP///wgAAAAAAAAAAAAAAAAAAAAAAAAAAAAAAAAAAAAAZAAAAAEAAABAAAAAAAAAAAAAAAAAAAAAAAAAAAAAAAAAAAAAAAAAAAAAAAAAAAAAAAAAAAAAAAAAAAAAAAAAAAAAAAAAAAAAAAAAAAAAAAAAAAAAAAAAAAAAAAAAAAAAFAAAADwAAAAAAAAAAAAAAAAAAAkUAAAAAQAAABQAAAAUAAAAFAAAAAEAAAAAAAAAZAAAAGQAAAAAAAAAZAAAAGQAAAAVAAAAYAAAAAAAAAAAAAAADwAAACADAAAAAAAAAAAAAAEAAACgMgAAVgcAAKr4//8BAAAAf39/AAEAAABkAAAAAAAAABQAAABAHwAAAAAAACYAAAAAAAAAwOD//wAAAAAmAAAAZAAAABYAAABMAAAAAAAAAAAAAAAEAAAAAAAAAAEAAACAgIAKAAAAACgAAAAoAAAAZAAAAGQAAAAAAAAAzMzMAAAAAABQAAAAUAAAAGQAAABkAAAAAAAAABcAAAAUAAAAAAAAAAAAAAD/fwAA/38AAAAAAAAJAAAABAAAAAAAAAAeAAAAaAAAAAAAAAAAAAAAAAAAAAAAAAAAAAAAECcAABAnAAAAAAAAAAAAAAAAAAAAAAAAAAAAAAAAAAAAAAAAAAAAABQAAAAAAAAAwMD/AAAAAABkAAAAMgAAAAAAAABkAAAAAAAAAH9/fwAKAAAAIgAAABgAAAAAAAAAAAAAAAAAAAAAAAAAAAAAAAAAAAAkAAAAJAAAAAAAAAAHAAAAAAAAAAAAAAAAAAAAAAAAAAAAAAAAAAAAf39/ACUAAABYAAAAAAAAAAAAAAAAAAAAAAAAAAAAAAAAAAAAAAAAAAAAAAAAAAAAAAAAAAAAAAA/AAAAAAAAAKCGAQAAAAAAAAAAAAAAAAAMAAAAAQAAAAAAAAAAAAAAAAAAAB8AAABUAAAAAAAABQAAAAEAAAAAAAAAAAAAAAAAAAAAAAAAAAAAAAAAAAAAAAAAAAAAAAJ/f38AAAAAA8zMzADAwP8Af39/AAAAAAAAAAAAAAAAAAAAAAAAAAAAIQAAABgAAAAUAAAAsw4AAMYDAACzOwAAFh0AABAAAAAmAAAACAAAAAGAAAAAAAAA"/>
               </a:ext>
             </a:extLst>
           </p:cNvSpPr>
@@ -2613,7 +2615,7 @@
             <a:spLocks noGrp="1" noChangeArrowheads="1"/>
             <a:extLst>
               <a:ext uri="smNativeData">
-                <pr:smNativeData xmlns:pr="smNativeData" xmlns="smNativeData" val="SMDATA_15_SSBGaRMAAAAlAAAAZAAAAA0AAAAAkAAAAEgAAACQAAAASAAAAAAAAAAAAAAAAAAAAAEAAABQAAAAAAAAAAAA4D8AAAAAAADgPwAAAAAAAOA/AAAAAAAA4D8AAAAAAADgPwAAAAAAAOA/AAAAAAAA4D8AAAAAAADgPwAAAAAAAOA/AAAAAAAA4D8CAAAAjAAAAAAAAAAAAAAAu+DjDP///wgAAAAAAAAAAAAAAAAAAAAAAAAAAAAAAAAAAAAAZAAAAAEAAABAAAAAAAAAAAAAAAAAAAAAAAAAAAAAAAAAAAAAAAAAAAAAAAAAAAAAAAAAAAAAAAAAAAAAAAAAAAAAAAAAAAAAAAAAAAAAAAAAAAAAAAAAAAAAAAAAAAAAFAAAADwAAAAAAAAAAAAAAAAAAAkUAAAAAQAAABQAAAAUAAAAFAAAAAEAAAAAAAAAZAAAAGQAAAAAAAAAZAAAAGQAAAAVAAAAYAAAAAAAAAAAAAAADwAAACADAAAAAAAAAAAAAAEAAACgMgAAVgcAAKr4//8BAAAAf39/AAEAAABkAAAAAAAAABQAAABAHwAAAAAAACYAAAAAAAAAwOD//wAAAAAmAAAAZAAAABYAAABMAAAAAAAAAAAAAAAEAAAAAAAAAAEAAACAgIAKAAAAACgAAAAoAAAAZAAAAGQAAAAAAAAAzMzMAAAAAABQAAAAUAAAAGQAAABkAAAAAAAAABcAAAAUAAAAAAAAAAAAAAD/fwAA/38AAAAAAAAJAAAABAAAAAAAAAAeAAAAaAAAAAAAAAAAAAAAAAAAAAAAAAAAAAAAECcAABAnAAAAAAAAAAAAAAAAAAAAAAAAAAAAAAAAAAAAAAAAAAAAABQAAAAAAAAAwMD/AAAAAABkAAAAMgAAAAAAAABkAAAAAAAAAH9/fwAKAAAAIgAAABgAAAAAAAAAAAAAAAAAAAAAAAAAAAAAAAAAAAAkAAAAJAAAAAAAAAAHAAAAAAAAAAAAAAAAAAAAAAAAAAAAAAAAAAAAf39/ACUAAABYAAAAAAAAAAAAAAAAAAAAAAAAAAAAAAAAAAAAAAAAAAAAAAAAAAAAAAAAAAAAAAA/AAAAAAAAAKCGAQAAAAAAAAAAAAAAAAAMAAAAAQAAAAAAAAAAAAAAAAAAAB8AAABUAAAAAAAABQAAAAEAAAAAAAAAAAAAAAAAAAAAAAAAAAAAAAAAAAAAAAAAAAAAAAJ/f38AAAAAA8zMzADAwP8Af39/AAAAAAAAAAAAAAAAAAAAAAAAAAAAIQAAABgAAAAUAAAAsw4AAAQhAACzOwAA+CUAABAAAAAmAAAACAAAAAGAAAAAAAAA"/>
+                <pr:smNativeData xmlns:pr="smNativeData" xmlns="smNativeData" val="SMDATA_15_msZJaRMAAAAlAAAAZAAAAA0AAAAAkAAAAEgAAACQAAAASAAAAAAAAAAAAAAAAAAAAAEAAABQAAAAAAAAAAAA4D8AAAAAAADgPwAAAAAAAOA/AAAAAAAA4D8AAAAAAADgPwAAAAAAAOA/AAAAAAAA4D8AAAAAAADgPwAAAAAAAOA/AAAAAAAA4D8CAAAAjAAAAAAAAAAAAAAAu+DjDP///wgAAAAAAAAAAAAAAAAAAAAAAAAAAAAAAAAAAAAAZAAAAAEAAABAAAAAAAAAAAAAAAAAAAAAAAAAAAAAAAAAAAAAAAAAAAAAAAAAAAAAAAAAAAAAAAAAAAAAAAAAAAAAAAAAAAAAAAAAAAAAAAAAAAAAAAAAAAAAAAAAAAAAFAAAADwAAAAAAAAAAAAAAAAAAAkUAAAAAQAAABQAAAAUAAAAFAAAAAEAAAAAAAAAZAAAAGQAAAAAAAAAZAAAAGQAAAAVAAAAYAAAAAAAAAAAAAAADwAAACADAAAAAAAAAAAAAAEAAACgMgAAVgcAAKr4//8BAAAAf39/AAEAAABkAAAAAAAAABQAAABAHwAAAAAAACYAAAAAAAAAwOD//wAAAAAmAAAAZAAAABYAAABMAAAAAAAAAAAAAAAEAAAAAAAAAAEAAACAgIAKAAAAACgAAAAoAAAAZAAAAGQAAAAAAAAAzMzMAAAAAABQAAAAUAAAAGQAAABkAAAAAAAAABcAAAAUAAAAAAAAAAAAAAD/fwAA/38AAAAAAAAJAAAABAAAAAAAAAAeAAAAaAAAAAAAAAAAAAAAAAAAAAAAAAAAAAAAECcAABAnAAAAAAAAAAAAAAAAAAAAAAAAAAAAAAAAAAAAAAAAAAAAABQAAAAAAAAAwMD/AAAAAABkAAAAMgAAAAAAAABkAAAAAAAAAH9/fwAKAAAAIgAAABgAAAAAAAAAAAAAAAAAAAAAAAAAAAAAAAAAAAAkAAAAJAAAAAAAAAAHAAAAAAAAAAAAAAAAAAAAAAAAAAAAAAAAAAAAf39/ACUAAABYAAAAAAAAAAAAAAAAAAAAAAAAAAAAAAAAAAAAAAAAAAAAAAAAAAAAAAAAAAAAAAA/AAAAAAAAAKCGAQAAAAAAAAAAAAAAAAAMAAAAAQAAAAAAAAAAAAAAAAAAAB8AAABUAAAAAAAABQAAAAEAAAAAAAAAAAAAAAAAAAAAAAAAAAAAAAAAAAAAAAAAAAAAAAJ/f38AAAAAA8zMzADAwP8Af39/AAAAAAAAAAAAAAAAAAAAAAAAAAAAIQAAABgAAAAUAAAAsw4AAAQhAACzOwAA+CUAABAAAAAmAAAACAAAAAGAAAAAAAAA"/>
               </a:ext>
             </a:extLst>
           </p:cNvSpPr>
@@ -2682,7 +2684,7 @@
             <a:spLocks noGrp="1" noChangeArrowheads="1"/>
             <a:extLst>
               <a:ext uri="smNativeData">
-                <pr:smNativeData xmlns:pr="smNativeData" xmlns="smNativeData" val="SMDATA_15_SSBGaRMAAAAlAAAAZAAAAA0AAAAAkAAAAEgAAACQAAAASAAAAAAAAAABAAAAAAAAAAEAAABQAAAAAAAAAAAA4D8AAAAAAADgPwAAAAAAAOA/AAAAAAAA4D8AAAAAAADgPwAAAAAAAOA/AAAAAAAA4D8AAAAAAADgPwAAAAAAAOA/AAAAAAAA4D8CAAAAjAAAAAAAAAAAAAAAu+DjDP///wgAAAAAAAAAAAAAAAAAAAAAAAAAAAAAAAAAAAAAZAAAAAEAAABAAAAAAAAAAAAAAAAAAAAAAAAAAAAAAAAAAAAAAAAAAAAAAAAAAAAAAAAAAAAAAAAAAAAAAAAAAAAAAAAAAAAAAAAAAAAAAAAAAAAAAAAAAAAAAAAAAAAAFAAAADwAAAAAAAAAAAAAAAAAAAkUAAAAAQAAABQAAAAUAAAAFAAAAAEAAAAAAAAAZAAAAGQAAAAAAAAAZAAAAGQAAAAVAAAAYAAAAAAAAAAAAAAADwAAACADAAAAAAAAAAAAAAEAAACgMgAAVgcAAKr4//8BAAAAf39/AAEAAABkAAAAAAAAABQAAABAHwAAAAAAACYAAAAAAAAAwOD//wAAAAAmAAAAZAAAABYAAABMAAAAAAAAAAAAAAAEAAAAAAAAAAEAAACAgIAKAAAAACgAAAAoAAAAZAAAAGQAAAAAAAAAzMzMAAAAAABQAAAAUAAAAGQAAABkAAAAAAAAABcAAAAUAAAAAAAAAAAAAAD/fwAA/38AAAAAAAAJAAAABAAAAAAAAAAeAAAAaAAAAAAAAAAAAAAAAAAAAAAAAAAAAAAAECcAABAnAAAAAAAAAAAAAAAAAAAAAAAAAAAAAAAAAAAAAAAAAAAAABQAAAAAAAAAwMD/AAAAAABkAAAAMgAAAAAAAABkAAAAAAAAAH9/fwAKAAAAIgAAABgAAAAAAAAAAAAAAAAAAAAAAAAAAAAAAAAAAAAkAAAAJAAAAAAAAAAHAAAAAAAAAAAAAAAAAAAAAAAAAAAAAAAAAAAAf39/ACUAAABYAAAAAAAAAAAAAAAAAAAAAAAAAAAAAAAAAAAAAAAAAAAAAAAAAAAAAAAAAAAAAAA/AAAAAAAAAKCGAQAAAAAAAAAAAAAAAAAMAAAAAQAAAAAAAAAAAAAAAAAAAB8AAABUAAAAAAAABQAAAAEAAAAAAAAAAAAAAAAAAAAAAAAAAAAAAAAAAAAAAAAAAAAAAAJ/f38AAAAAA8zMzADAwP8Af39/AAAAAAAAAAAAAAAAAAAAAAAAAAAAIQAAABgAAAAUAAAAwAMAABsnAAA/FQAAWSkAABAAAAAmAAAACAAAAAAAAAAAAAAA"/>
+                <pr:smNativeData xmlns:pr="smNativeData" xmlns="smNativeData" val="SMDATA_15_msZJaRMAAAAlAAAAZAAAAA0AAAAAkAAAAEgAAACQAAAASAAAAAAAAAABAAAAAAAAAAEAAABQAAAAAAAAAAAA4D8AAAAAAADgPwAAAAAAAOA/AAAAAAAA4D8AAAAAAADgPwAAAAAAAOA/AAAAAAAA4D8AAAAAAADgPwAAAAAAAOA/AAAAAAAA4D8CAAAAjAAAAAAAAAAAAAAAu+DjDP///wgAAAAAAAAAAAAAAAAAAAAAAAAAAAAAAAAAAAAAZAAAAAEAAABAAAAAAAAAAAAAAAAAAAAAAAAAAAAAAAAAAAAAAAAAAAAAAAAAAAAAAAAAAAAAAAAAAAAAAAAAAAAAAAAAAAAAAAAAAAAAAAAAAAAAAAAAAAAAAAAAAAAAFAAAADwAAAAAAAAAAAAAAAAAAAkUAAAAAQAAABQAAAAUAAAAFAAAAAEAAAAAAAAAZAAAAGQAAAAAAAAAZAAAAGQAAAAVAAAAYAAAAAAAAAAAAAAADwAAACADAAAAAAAAAAAAAAEAAACgMgAAVgcAAKr4//8BAAAAf39/AAEAAABkAAAAAAAAABQAAABAHwAAAAAAACYAAAAAAAAAwOD//wAAAAAmAAAAZAAAABYAAABMAAAAAAAAAAAAAAAEAAAAAAAAAAEAAACAgIAKAAAAACgAAAAoAAAAZAAAAGQAAAAAAAAAzMzMAAAAAABQAAAAUAAAAGQAAABkAAAAAAAAABcAAAAUAAAAAAAAAAAAAAD/fwAA/38AAAAAAAAJAAAABAAAAAAAAAAeAAAAaAAAAAAAAAAAAAAAAAAAAAAAAAAAAAAAECcAABAnAAAAAAAAAAAAAAAAAAAAAAAAAAAAAAAAAAAAAAAAAAAAABQAAAAAAAAAwMD/AAAAAABkAAAAMgAAAAAAAABkAAAAAAAAAH9/fwAKAAAAIgAAABgAAAAAAAAAAAAAAAAAAAAAAAAAAAAAAAAAAAAkAAAAJAAAAAAAAAAHAAAAAAAAAAAAAAAAAAAAAAAAAAAAAAAAAAAAf39/ACUAAABYAAAAAAAAAAAAAAAAAAAAAAAAAAAAAAAAAAAAAAAAAAAAAAAAAAAAAAAAAAAAAAA/AAAAAAAAAKCGAQAAAAAAAAAAAAAAAAAMAAAAAQAAAAAAAAAAAAAAAAAAAB8AAABUAAAAAAAABQAAAAEAAAAAAAAAAAAAAAAAAAAAAAAAAAAAAAAAAAAAAAAAAAAAAAJ/f38AAAAAA8zMzADAwP8Af39/AAAAAAAAAAAAAAAAAAAAAAAAAAAAIQAAABgAAAAUAAAAwAMAABsnAAA/FQAAWSkAABAAAAAmAAAACAAAAAAAAAAAAAAA"/>
               </a:ext>
             </a:extLst>
           </p:cNvSpPr>
@@ -2696,7 +2698,7 @@
           <a:lstStyle/>
           <a:p>
             <a:pPr/>
-            <a:fld id="{1B0EFF5E-10F6-5B09-B8B6-E65CB1F84EB3}" type="datetime1">
+            <a:fld id="{0DCF1AE1-AFE0-9AEC-AE77-59B95439580C}" type="datetime1">
               <a:t>12/16/2025</a:t>
             </a:fld>
           </a:p>
@@ -2709,7 +2711,7 @@
             <a:spLocks noGrp="1" noChangeArrowheads="1"/>
             <a:extLst>
               <a:ext uri="smNativeData">
-                <pr:smNativeData xmlns:pr="smNativeData" xmlns="smNativeData" val="SMDATA_15_SSBGaRMAAAAlAAAAZAAAAA0AAAAAkAAAAEgAAACQAAAASAAAAAAAAAABAAAAAAAAAAEAAABQAAAAAAAAAAAA4D8AAAAAAADgPwAAAAAAAOA/AAAAAAAA4D8AAAAAAADgPwAAAAAAAOA/AAAAAAAA4D8AAAAAAADgPwAAAAAAAOA/AAAAAAAA4D8CAAAAjAAAAAAAAAAAAAAAu+DjDP///wgAAAAAAAAAAAAAAAAAAAAAAAAAAAAAAAAAAAAAZAAAAAEAAABAAAAAAAAAAAAAAAAAAAAAAAAAAAAAAAAAAAAAAAAAAAAAAAAAAAAAAAAAAAAAAAAAAAAAAAAAAAAAAAAAAAAAAAAAAAAAAAAAAAAAAAAAAAAAAAAAAAAAFAAAADwAAAAAAAAAAAAAAAAAAAkUAAAAAQAAABQAAAAUAAAAFAAAAAEAAAAAAAAAZAAAAGQAAAAAAAAAZAAAAGQAAAAVAAAAYAAAAAAAAAAAAAAADwAAACADAAAAAAAAAAAAAAEAAACgMgAAVgcAAKr4//8BAAAAf39/AAEAAABkAAAAAAAAABQAAABAHwAAAAAAACYAAAAAAAAAwOD//wAAAAAmAAAAZAAAABYAAABMAAAAAAAAAAAAAAAEAAAAAAAAAAEAAACAgIAKAAAAACgAAAAoAAAAZAAAAGQAAAAAAAAAzMzMAAAAAABQAAAAUAAAAGQAAABkAAAAAAAAABcAAAAUAAAAAAAAAAAAAAD/fwAA/38AAAAAAAAJAAAABAAAAAAAAAAeAAAAaAAAAAAAAAAAAAAAAAAAAAAAAAAAAAAAECcAABAnAAAAAAAAAAAAAAAAAAAAAAAAAAAAAAAAAAAAAAAAAAAAABQAAAAAAAAAwMD/AAAAAABkAAAAMgAAAAAAAABkAAAAAAAAAH9/fwAKAAAAIgAAABgAAAAAAAAAAAAAAAAAAAAAAAAAAAAAAAAAAAAkAAAAJAAAAAAAAAAHAAAAAAAAAAAAAAAAAAAAAAAAAAAAAAAAAAAAf39/ACUAAABYAAAAAAAAAAAAAAAAAAAAAAAAAAAAAAAAAAAAAAAAAAAAAAAAAAAAAAAAAAAAAAA/AAAAAAAAAKCGAQAAAAAAAAAAAAAAAAAMAAAAAQAAAAAAAAAAAAAAAAAAAB8AAABUAAAAAAAABQAAAAEAAAAAAAAAAAAAAAAAAAAAAAAAAAAAAAAAAAAAAAAAAAAAAAJ/f38AAAAAA8zMzADAwP8Af39/AAAAAAAAAAAAAAAAAAAAAAAAAAAAIQAAABgAAAAUAAAAoRkAABsnAABfMQAAWSkAABAAAAAmAAAACAAAAAAAAAAAAAAA"/>
+                <pr:smNativeData xmlns:pr="smNativeData" xmlns="smNativeData" val="SMDATA_15_msZJaRMAAAAlAAAAZAAAAA0AAAAAkAAAAEgAAACQAAAASAAAAAAAAAABAAAAAAAAAAEAAABQAAAAAAAAAAAA4D8AAAAAAADgPwAAAAAAAOA/AAAAAAAA4D8AAAAAAADgPwAAAAAAAOA/AAAAAAAA4D8AAAAAAADgPwAAAAAAAOA/AAAAAAAA4D8CAAAAjAAAAAAAAAAAAAAAu+DjDP///wgAAAAAAAAAAAAAAAAAAAAAAAAAAAAAAAAAAAAAZAAAAAEAAABAAAAAAAAAAAAAAAAAAAAAAAAAAAAAAAAAAAAAAAAAAAAAAAAAAAAAAAAAAAAAAAAAAAAAAAAAAAAAAAAAAAAAAAAAAAAAAAAAAAAAAAAAAAAAAAAAAAAAFAAAADwAAAAAAAAAAAAAAAAAAAkUAAAAAQAAABQAAAAUAAAAFAAAAAEAAAAAAAAAZAAAAGQAAAAAAAAAZAAAAGQAAAAVAAAAYAAAAAAAAAAAAAAADwAAACADAAAAAAAAAAAAAAEAAACgMgAAVgcAAKr4//8BAAAAf39/AAEAAABkAAAAAAAAABQAAABAHwAAAAAAACYAAAAAAAAAwOD//wAAAAAmAAAAZAAAABYAAABMAAAAAAAAAAAAAAAEAAAAAAAAAAEAAACAgIAKAAAAACgAAAAoAAAAZAAAAGQAAAAAAAAAzMzMAAAAAABQAAAAUAAAAGQAAABkAAAAAAAAABcAAAAUAAAAAAAAAAAAAAD/fwAA/38AAAAAAAAJAAAABAAAAAAAAAAeAAAAaAAAAAAAAAAAAAAAAAAAAAAAAAAAAAAAECcAABAnAAAAAAAAAAAAAAAAAAAAAAAAAAAAAAAAAAAAAAAAAAAAABQAAAAAAAAAwMD/AAAAAABkAAAAMgAAAAAAAABkAAAAAAAAAH9/fwAKAAAAIgAAABgAAAAAAAAAAAAAAAAAAAAAAAAAAAAAAAAAAAAkAAAAJAAAAAAAAAAHAAAAAAAAAAAAAAAAAAAAAAAAAAAAAAAAAAAAf39/ACUAAABYAAAAAAAAAAAAAAAAAAAAAAAAAAAAAAAAAAAAAAAAAAAAAAAAAAAAAAAAAAAAAAA/AAAAAAAAAKCGAQAAAAAAAAAAAAAAAAAMAAAAAQAAAAAAAAAAAAAAAAAAAB8AAABUAAAAAAAABQAAAAEAAAAAAAAAAAAAAAAAAAAAAAAAAAAAAAAAAAAAAAAAAAAAAAJ/f38AAAAAA8zMzADAwP8Af39/AAAAAAAAAAAAAAAAAAAAAAAAAAAAIQAAABgAAAAUAAAAoRkAABsnAABfMQAAWSkAABAAAAAmAAAACAAAAAAAAAAAAAAA"/>
               </a:ext>
             </a:extLst>
           </p:cNvSpPr>
@@ -2733,7 +2735,7 @@
             <a:spLocks noGrp="1" noChangeArrowheads="1"/>
             <a:extLst>
               <a:ext uri="smNativeData">
-                <pr:smNativeData xmlns:pr="smNativeData" xmlns="smNativeData" val="SMDATA_15_SSBGaRMAAAAlAAAAZAAAAA0AAAAAkAAAAEgAAACQAAAASAAAAAAAAAABAAAAAAAAAAEAAABQAAAAAAAAAAAA4D8AAAAAAADgPwAAAAAAAOA/AAAAAAAA4D8AAAAAAADgPwAAAAAAAOA/AAAAAAAA4D8AAAAAAADgPwAAAAAAAOA/AAAAAAAA4D8CAAAAjAAAAAAAAAAAAAAAu+DjDP///wgAAAAAAAAAAAAAAAAAAAAAAAAAAAAAAAAAAAAAZAAAAAEAAABAAAAAAAAAAAAAAAAAAAAAAAAAAAAAAAAAAAAAAAAAAAAAAAAAAAAAAAAAAAAAAAAAAAAAAAAAAAAAAAAAAAAAAAAAAAAAAAAAAAAAAAAAAAAAAAAAAAAAFAAAADwAAAAAAAAAAAAAAAAAAAkUAAAAAQAAABQAAAAUAAAAFAAAAAEAAAAAAAAAZAAAAGQAAAAAAAAAZAAAAGQAAAAVAAAAYAAAAAAAAAAAAAAADwAAACADAAAAAAAAAAAAAAEAAACgMgAAVgcAAKr4//8BAAAAf39/AAEAAABkAAAAAAAAABQAAABAHwAAAAAAACYAAAAAAAAAwOD//wAAAAAmAAAAZAAAABYAAABMAAAAAAAAAAAAAAAEAAAAAAAAAAEAAACAgIAKAAAAACgAAAAoAAAAZAAAAGQAAAAAAAAAzMzMAAAAAABQAAAAUAAAAGQAAABkAAAAAAAAABcAAAAUAAAAAAAAAAAAAAD/fwAA/38AAAAAAAAJAAAABAAAAAAAAAAeAAAAaAAAAAAAAAAAAAAAAAAAAAAAAAAAAAAAECcAABAnAAAAAAAAAAAAAAAAAAAAAAAAAAAAAAAAAAAAAAAAAAAAABQAAAAAAAAAwMD/AAAAAABkAAAAMgAAAAAAAABkAAAAAAAAAH9/fwAKAAAAIgAAABgAAAAAAAAAAAAAAAAAAAAAAAAAAAAAAAAAAAAkAAAAJAAAAAAAAAAHAAAAAAAAAAAAAAAAAAAAAAAAAAAAAAAAAAAAf39/ACUAAABYAAAAAAAAAAAAAAAAAAAAAAAAAAAAAAAAAAAAAAAAAAAAAAAAAAAAAAAAAAAAAAA/AAAAAAAAAKCGAQAAAAAAAAAAAAAAAAAMAAAAAQAAAAAAAAAAAAAAAAAAAB8AAABUAAAAAAAABQAAAAEAAAAAAAAAAAAAAAAAAAAAAAAAAAAAAAAAAAAAAAAAAAAAAAJ/f38AAAAAA8zMzADAwP8Af39/AAAAAAAAAAAAAAAAAAAAAAAAAAAAIQAAABgAAAAUAAAAwTUAABsnAABARwAAWSkAABAAAAAmAAAACAAAAAAAAAAAAAAA"/>
+                <pr:smNativeData xmlns:pr="smNativeData" xmlns="smNativeData" val="SMDATA_15_msZJaRMAAAAlAAAAZAAAAA0AAAAAkAAAAEgAAACQAAAASAAAAAAAAAABAAAAAAAAAAEAAABQAAAAAAAAAAAA4D8AAAAAAADgPwAAAAAAAOA/AAAAAAAA4D8AAAAAAADgPwAAAAAAAOA/AAAAAAAA4D8AAAAAAADgPwAAAAAAAOA/AAAAAAAA4D8CAAAAjAAAAAAAAAAAAAAAu+DjDP///wgAAAAAAAAAAAAAAAAAAAAAAAAAAAAAAAAAAAAAZAAAAAEAAABAAAAAAAAAAAAAAAAAAAAAAAAAAAAAAAAAAAAAAAAAAAAAAAAAAAAAAAAAAAAAAAAAAAAAAAAAAAAAAAAAAAAAAAAAAAAAAAAAAAAAAAAAAAAAAAAAAAAAFAAAADwAAAAAAAAAAAAAAAAAAAkUAAAAAQAAABQAAAAUAAAAFAAAAAEAAAAAAAAAZAAAAGQAAAAAAAAAZAAAAGQAAAAVAAAAYAAAAAAAAAAAAAAADwAAACADAAAAAAAAAAAAAAEAAACgMgAAVgcAAKr4//8BAAAAf39/AAEAAABkAAAAAAAAABQAAABAHwAAAAAAACYAAAAAAAAAwOD//wAAAAAmAAAAZAAAABYAAABMAAAAAAAAAAAAAAAEAAAAAAAAAAEAAACAgIAKAAAAACgAAAAoAAAAZAAAAGQAAAAAAAAAzMzMAAAAAABQAAAAUAAAAGQAAABkAAAAAAAAABcAAAAUAAAAAAAAAAAAAAD/fwAA/38AAAAAAAAJAAAABAAAAAAAAAAeAAAAaAAAAAAAAAAAAAAAAAAAAAAAAAAAAAAAECcAABAnAAAAAAAAAAAAAAAAAAAAAAAAAAAAAAAAAAAAAAAAAAAAABQAAAAAAAAAwMD/AAAAAABkAAAAMgAAAAAAAABkAAAAAAAAAH9/fwAKAAAAIgAAABgAAAAAAAAAAAAAAAAAAAAAAAAAAAAAAAAAAAAkAAAAJAAAAAAAAAAHAAAAAAAAAAAAAAAAAAAAAAAAAAAAAAAAAAAAf39/ACUAAABYAAAAAAAAAAAAAAAAAAAAAAAAAAAAAAAAAAAAAAAAAAAAAAAAAAAAAAAAAAAAAAA/AAAAAAAAAKCGAQAAAAAAAAAAAAAAAAAMAAAAAQAAAAAAAAAAAAAAAAAAAB8AAABUAAAAAAAABQAAAAEAAAAAAAAAAAAAAAAAAAAAAAAAAAAAAAAAAAAAAAAAAAAAAAJ/f38AAAAAA8zMzADAwP8Af39/AAAAAAAAAAAAAAAAAAAAAAAAAAAAIQAAABgAAAAUAAAAwTUAABsnAABARwAAWSkAABAAAAAmAAAACAAAAAAAAAAAAAAA"/>
               </a:ext>
             </a:extLst>
           </p:cNvSpPr>
@@ -2747,7 +2749,7 @@
           <a:lstStyle/>
           <a:p>
             <a:pPr/>
-            <a:fld id="{1B0EF3A0-EEF6-5B05-B8B6-1850BDF84E4D}" type="slidenum">
+            <a:fld id="{0DCF1F09-47E0-9AE9-AE77-B1BC513958E4}" type="slidenum">
               <a:t>‹#›</a:t>
             </a:fld>
           </a:p>
@@ -2794,7 +2796,7 @@
             <a:spLocks noGrp="1" noChangeArrowheads="1"/>
             <a:extLst>
               <a:ext uri="smNativeData">
-                <pr:smNativeData xmlns:pr="smNativeData" xmlns="smNativeData" val="SMDATA_15_SSBGaRMAAAAlAAAAZAAAAA0AAAAAkAAAAEgAAACQAAAASAAAAAAAAAABAAAAAAAAAAEAAABQAAAAAAAAAAAA4D8AAAAAAADgPwAAAAAAAOA/AAAAAAAA4D8AAAAAAADgPwAAAAAAAOA/AAAAAAAA4D8AAAAAAADgPwAAAAAAAOA/AAAAAAAA4D8CAAAAjAAAAAAAAAAAAAAAu+DjDP///wgAAAAAAAAAAAAAAAAAAAAAAAAAAAAAAAAAAAAAZAAAAAEAAABAAAAAAAAAAAAAAAAAAAAAAAAAAAAAAAAAAAAAAAAAAAAAAAAAAAAAAAAAAAAAAAAAAAAAAAAAAAAAAAAAAAAAAAAAAAAAAAAAAAAAAAAAAAAAAAAAAAAAFAAAADwAAAAAAAAAAAAAAAAAAAkUAAAAAQAAABQAAAAUAAAAFAAAAAEAAAAAAAAAZAAAAGQAAAAAAAAAZAAAAGQAAAAVAAAAYAAAAAAAAAAAAAAADwAAACADAAAAAAAAAAAAAAEAAACgMgAAVgcAAKr4//8BAAAAf39/AAEAAABkAAAAAAAAABQAAABAHwAAAAAAACYAAAAAAAAAwOD//wAAAAAmAAAAZAAAABYAAABMAAAAAAAAAAAAAAAEAAAAAAAAAAEAAACAgIAKAAAAACgAAAAoAAAAZAAAAGQAAAAAAAAAzMzMAAAAAABQAAAAUAAAAGQAAABkAAAAAAAAABcAAAAUAAAAAAAAAAAAAAD/fwAA/38AAAAAAAAJAAAABAAAAGxpY2keAAAAaAAAAAAAAAAAAAAAAAAAAAAAAAAAAAAAECcAABAnAAAAAAAAAAAAAAAAAAAAAAAAAAAAAAAAAAAAAAAAAAAAABQAAAAAAAAAwMD/AAAAAABkAAAAMgAAAAAAAABkAAAAAAAAAH9/fwAKAAAAIgAAABgAAAAAAAAAAAAAAAAAAAAAAAAAAAAAAAAAAAAkAAAAJAAAAAAAAAAHAAAAAAAAAAAAAAAAAAAAAAAAAAAAAAAAAAAAf39/ACUAAABYAAAAAAAAAAAAAAAAAAAAAAAAAAAAAAAAAAAAAAAAAAAAAAAAAAAAAAAAAAAAAAA/AAAAAAAAAKCGAQAAAAAAAAAAAAAAAAAMAAAAAQAAAAAAAAAAAAAAAAAAAB8AAABUAAAAAAAABQAAAAEAAAAAAAAAAAAAAAAAAAAAAAAAAAAAAAAAAAAAAAAAAAAAAAJ/f38AAAAAA8zMzADAwP8Af39/AAAAAAAAAAAAAAAAAAAAAAAAAAAAIQAAABgAAAAUAAAAwAMAALABAABARwAAuAgAABAAAAAmAAAACAAAAIMfAAD//8EB"/>
+                <pr:smNativeData xmlns:pr="smNativeData" xmlns="smNativeData" val="SMDATA_15_msZJaRMAAAAlAAAAZAAAAA0AAAAAkAAAAEgAAACQAAAASAAAAAAAAAABAAAAAAAAAAEAAABQAAAAAAAAAAAA4D8AAAAAAADgPwAAAAAAAOA/AAAAAAAA4D8AAAAAAADgPwAAAAAAAOA/AAAAAAAA4D8AAAAAAADgPwAAAAAAAOA/AAAAAAAA4D8CAAAAjAAAAAAAAAAAAAAAu+DjDP///wgAAAAAAAAAAAAAAAAAAAAAAAAAAAAAAAAAAAAAZAAAAAEAAABAAAAAAAAAAAAAAAAAAAAAAAAAAAAAAAAAAAAAAAAAAAAAAAAAAAAAAAAAAAAAAAAAAAAAAAAAAAAAAAAAAAAAAAAAAAAAAAAAAAAAAAAAAAAAAAAAAAAAFAAAADwAAAAAAAAAAAAAAAAAAAkUAAAAAQAAABQAAAAUAAAAFAAAAAEAAAAAAAAAZAAAAGQAAAAAAAAAZAAAAGQAAAAVAAAAYAAAAAAAAAAAAAAADwAAACADAAAAAAAAAAAAAAEAAACgMgAAVgcAAKr4//8BAAAAf39/AAEAAABkAAAAAAAAABQAAABAHwAAAAAAACYAAAAAAAAAwOD//wAAAAAmAAAAZAAAABYAAABMAAAAAAAAAAAAAAAEAAAAAAAAAAEAAACAgIAKAAAAACgAAAAoAAAAZAAAAGQAAAAAAAAAzMzMAAAAAABQAAAAUAAAAGQAAABkAAAAAAAAABcAAAAUAAAAAAAAAAAAAAD/fwAA/38AAAAAAAAJAAAABAAAAGxpY2keAAAAaAAAAAAAAAAAAAAAAAAAAAAAAAAAAAAAECcAABAnAAAAAAAAAAAAAAAAAAAAAAAAAAAAAAAAAAAAAAAAAAAAABQAAAAAAAAAwMD/AAAAAABkAAAAMgAAAAAAAABkAAAAAAAAAH9/fwAKAAAAIgAAABgAAAAAAAAAAAAAAAAAAAAAAAAAAAAAAAAAAAAkAAAAJAAAAAAAAAAHAAAAAAAAAAAAAAAAAAAAAAAAAAAAAAAAAAAAf39/ACUAAABYAAAAAAAAAAAAAAAAAAAAAAAAAAAAAAAAAAAAAAAAAAAAAAAAAAAAAAAAAAAAAAA/AAAAAAAAAKCGAQAAAAAAAAAAAAAAAAAMAAAAAQAAAAAAAAAAAAAAAAAAAB8AAABUAAAAAAAABQAAAAEAAAAAAAAAAAAAAAAAAAAAAAAAAAAAAAAAAAAAAAAAAAAAAAJ/f38AAAAAA8zMzADAwP8Af39/AAAAAAAAAAAAAAAAAAAAAAAAAAAAIQAAABgAAAAUAAAAwAMAALABAABARwAAuAgAABAAAAAmAAAACAAAAIMfAAD//8EB"/>
               </a:ext>
             </a:extLst>
           </p:cNvSpPr>
@@ -2838,7 +2840,7 @@
             <a:spLocks noGrp="1" noChangeArrowheads="1"/>
             <a:extLst>
               <a:ext uri="smNativeData">
-                <pr:smNativeData xmlns:pr="smNativeData" xmlns="smNativeData" val="SMDATA_15_SSBGaRMAAAAlAAAAZAAAAA0AAAAAkAAAAEgAAACQAAAASAAAAAAAAAAAAAAAAAAAAAEAAABQAAAAAAAAAAAA4D8AAAAAAADgPwAAAAAAAOA/AAAAAAAA4D8AAAAAAADgPwAAAAAAAOA/AAAAAAAA4D8AAAAAAADgPwAAAAAAAOA/AAAAAAAA4D8CAAAAjAAAAAAAAAAAAAAAu+DjDP///wgAAAAAAAAAAAAAAAAAAAAAAAAAAAAAAAAAAAAAZAAAAAEAAABAAAAAAAAAAAAAAAAAAAAAAAAAAAAAAAAAAAAAAAAAAAAAAAAAAAAAAAAAAAAAAAAAAAAAAAAAAAAAAAAAAAAAAAAAAAAAAAAAAAAAAAAAAAAAAAAAAAAAFAAAADwAAAAAAAAAAAAAAAAAAAkUAAAAAQAAABQAAAAUAAAAFAAAAAEAAAAAAAAAZAAAAGQAAAAAAAAAZAAAAGQAAAAVAAAAYAAAAAAAAAAAAAAADwAAACADAAAAAAAAAAAAAAEAAACgMgAAVgcAAKr4//8BAAAAf39/AAEAAABkAAAAAAAAABQAAABAHwAAAAAAACYAAAAAAAAAwOD//wAAAAAmAAAAZAAAABYAAABMAAAAAAAAAAAAAAAEAAAAAAAAAAEAAACAgIAKAAAAACgAAAAoAAAAZAAAAGQAAAAAAAAAzMzMAAAAAABQAAAAUAAAAGQAAABkAAAAAAAAABcAAAAUAAAAAAAAAAAAAAD/fwAA/38AAAAAAAAJAAAABAAAAGxpY2keAAAAaAAAAAAAAAAAAAAAAAAAAAAAAAAAAAAAECcAABAnAAAAAAAAAAAAAAAAAAAAAAAAAAAAAAAAAAAAAAAAAAAAABQAAAAAAAAAwMD/AAAAAABkAAAAMgAAAAAAAABkAAAAAAAAAH9/fwAKAAAAIgAAABgAAAAAAAAAAAAAAAAAAAAAAAAAAAAAAAAAAAAkAAAAJAAAAAAAAAAHAAAAAAAAAAAAAAAAAAAAAAAAAAAAAAAAAAAAf39/ACUAAABYAAAAAAAAAAAAAAAAAAAAAAAAAAAAAAAAAAAAAAAAAAAAAAAAAAAAAAAAAAAAAAA/AAAAAAAAAKCGAQAAAAAAAAAAAAAAAAAMAAAAAQAAAAAAAAAAAAAAAAAAAB8AAABUAAAAAAAABQAAAAEAAAAAAAAAAAAAAAAAAAAAAAAAAAAAAAAAAAAAAAAAAAAAAAJ/f38AAAAAA8zMzADAwP8Af39/AAAAAAAAAAAAAAAAAAAAAAAAAAAAIQAAABgAAAAUAAAAwAMAANgJAABARwAAsCUAABAAAAAmAAAACAAAAIMfAAD//8EB"/>
+                <pr:smNativeData xmlns:pr="smNativeData" xmlns="smNativeData" val="SMDATA_15_msZJaRMAAAAlAAAAZAAAAA0AAAAAkAAAAEgAAACQAAAASAAAAAAAAAAAAAAAAAAAAAEAAABQAAAAAAAAAAAA4D8AAAAAAADgPwAAAAAAAOA/AAAAAAAA4D8AAAAAAADgPwAAAAAAAOA/AAAAAAAA4D8AAAAAAADgPwAAAAAAAOA/AAAAAAAA4D8CAAAAjAAAAAAAAAAAAAAAu+DjDP///wgAAAAAAAAAAAAAAAAAAAAAAAAAAAAAAAAAAAAAZAAAAAEAAABAAAAAAAAAAAAAAAAAAAAAAAAAAAAAAAAAAAAAAAAAAAAAAAAAAAAAAAAAAAAAAAAAAAAAAAAAAAAAAAAAAAAAAAAAAAAAAAAAAAAAAAAAAAAAAAAAAAAAFAAAADwAAAAAAAAAAAAAAAAAAAkUAAAAAQAAABQAAAAUAAAAFAAAAAEAAAAAAAAAZAAAAGQAAAAAAAAAZAAAAGQAAAAVAAAAYAAAAAAAAAAAAAAADwAAACADAAAAAAAAAAAAAAEAAACgMgAAVgcAAKr4//8BAAAAf39/AAEAAABkAAAAAAAAABQAAABAHwAAAAAAACYAAAAAAAAAwOD//wAAAAAmAAAAZAAAABYAAABMAAAAAAAAAAAAAAAEAAAAAAAAAAEAAACAgIAKAAAAACgAAAAoAAAAZAAAAGQAAAAAAAAAzMzMAAAAAABQAAAAUAAAAGQAAABkAAAAAAAAABcAAAAUAAAAAAAAAAAAAAD/fwAA/38AAAAAAAAJAAAABAAAAGxpY2keAAAAaAAAAAAAAAAAAAAAAAAAAAAAAAAAAAAAECcAABAnAAAAAAAAAAAAAAAAAAAAAAAAAAAAAAAAAAAAAAAAAAAAABQAAAAAAAAAwMD/AAAAAABkAAAAMgAAAAAAAABkAAAAAAAAAH9/fwAKAAAAIgAAABgAAAAAAAAAAAAAAAAAAAAAAAAAAAAAAAAAAAAkAAAAJAAAAAAAAAAHAAAAAAAAAAAAAAAAAAAAAAAAAAAAAAAAAAAAf39/ACUAAABYAAAAAAAAAAAAAAAAAAAAAAAAAAAAAAAAAAAAAAAAAAAAAAAAAAAAAAAAAAAAAAA/AAAAAAAAAKCGAQAAAAAAAAAAAAAAAAAMAAAAAQAAAAAAAAAAAAAAAAAAAB8AAABUAAAAAAAABQAAAAEAAAAAAAAAAAAAAAAAAAAAAAAAAAAAAAAAAAAAAAAAAAAAAAJ/f38AAAAAA8zMzADAwP8Af39/AAAAAAAAAAAAAAAAAAAAAAAAAAAAIQAAABgAAAAUAAAAwAMAANgJAABARwAAsCUAABAAAAAmAAAACAAAAIMfAAD//8EB"/>
               </a:ext>
             </a:extLst>
           </p:cNvSpPr>
@@ -2906,7 +2908,7 @@
             <a:spLocks noGrp="1" noChangeArrowheads="1"/>
             <a:extLst>
               <a:ext uri="smNativeData">
-                <pr:smNativeData xmlns:pr="smNativeData" xmlns="smNativeData" val="SMDATA_15_SSBGaRMAAAAlAAAAZAAAAA0AAAAAkAAAAEgAAACQAAAASAAAAAAAAAABAAAAAAAAAAEAAABQAAAAAAAAAAAA4D8AAAAAAADgPwAAAAAAAOA/AAAAAAAA4D8AAAAAAADgPwAAAAAAAOA/AAAAAAAA4D8AAAAAAADgPwAAAAAAAOA/AAAAAAAA4D8CAAAAjAAAAAAAAAAAAAAAu+DjDP///wgAAAAAAAAAAAAAAAAAAAAAAAAAAAAAAAAAAAAAZAAAAAEAAABAAAAAAAAAAAAAAAAAAAAAAAAAAAAAAAAAAAAAAAAAAAAAAAAAAAAAAAAAAAAAAAAAAAAAAAAAAAAAAAAAAAAAAAAAAAAAAAAAAAAAAAAAAAAAAAAAAAAAFAAAADwAAAAAAAAAAAAAAAAAAAkUAAAAAQAAABQAAAAUAAAAFAAAAAEAAAAAAAAAZAAAAGQAAAAAAAAAZAAAAGQAAAAVAAAAYAAAAAAAAAAAAAAADwAAACADAAAAAAAAAAAAAAEAAACgMgAAVgcAAKr4//8BAAAAf39/AAEAAABkAAAAAAAAABQAAABAHwAAAAAAACYAAAAAAAAAwOD//wAAAAAmAAAAZAAAABYAAABMAAAAAAAAAAAAAAAEAAAAAAAAAAEAAACAgIAKAAAAACgAAAAoAAAAZAAAAGQAAAAAAAAAzMzMAAAAAABQAAAAUAAAAGQAAABkAAAAAAAAABcAAAAUAAAAAAAAAAAAAAD/fwAA/38AAAAAAAAJAAAABAAAAE1hc3QeAAAAaAAAAAAAAAAAAAAAAAAAAAAAAAAAAAAAECcAABAnAAAAAAAAAAAAAAAAAAAAAAAAAAAAAAAAAAAAAAAAAAAAABQAAAAAAAAAwMD/AAAAAABkAAAAMgAAAAAAAABkAAAAAAAAAH9/fwAKAAAAIgAAABgAAAAAAAAAAAAAAAAAAAAAAAAAAAAAAAAAAAAkAAAAJAAAAAAAAAAHAAAAAAAAAAAAAAAAAAAAAAAAAAAAAAAAAAAAf39/ACUAAABYAAAAAAAAAAAAAAAAAAAAAAAAAAAAAAAAAAAAAAAAAAAAAAAAAAAAAAAAAAAAAAA/AAAAAAAAAKCGAQAAAAAAAAAAAAAAAAAMAAAAAQAAAAAAAAAAAAAAAAAAAB8AAABUAAAAAAAABQAAAAEAAAAAAAAAAAAAAAAAAAAAAAAAAAAAAAAAAAAAAAAAAAAAAAJ/f38AAAAAA8zMzADAwP8Af39/AAAAAAAAAAAAAAAAAAAAAAAAAAAAIQAAABgAAAAUAAAAwAMAABsnAAA/FQAAWSkAABAAAAAmAAAACAAAAIOfAAD//8EB"/>
+                <pr:smNativeData xmlns:pr="smNativeData" xmlns="smNativeData" val="SMDATA_15_msZJaRMAAAAlAAAAZAAAAA0AAAAAkAAAAEgAAACQAAAASAAAAAAAAAABAAAAAAAAAAEAAABQAAAAAAAAAAAA4D8AAAAAAADgPwAAAAAAAOA/AAAAAAAA4D8AAAAAAADgPwAAAAAAAOA/AAAAAAAA4D8AAAAAAADgPwAAAAAAAOA/AAAAAAAA4D8CAAAAjAAAAAAAAAAAAAAAu+DjDP///wgAAAAAAAAAAAAAAAAAAAAAAAAAAAAAAAAAAAAAZAAAAAEAAABAAAAAAAAAAAAAAAAAAAAAAAAAAAAAAAAAAAAAAAAAAAAAAAAAAAAAAAAAAAAAAAAAAAAAAAAAAAAAAAAAAAAAAAAAAAAAAAAAAAAAAAAAAAAAAAAAAAAAFAAAADwAAAAAAAAAAAAAAAAAAAkUAAAAAQAAABQAAAAUAAAAFAAAAAEAAAAAAAAAZAAAAGQAAAAAAAAAZAAAAGQAAAAVAAAAYAAAAAAAAAAAAAAADwAAACADAAAAAAAAAAAAAAEAAACgMgAAVgcAAKr4//8BAAAAf39/AAEAAABkAAAAAAAAABQAAABAHwAAAAAAACYAAAAAAAAAwOD//wAAAAAmAAAAZAAAABYAAABMAAAAAAAAAAAAAAAEAAAAAAAAAAEAAACAgIAKAAAAACgAAAAoAAAAZAAAAGQAAAAAAAAAzMzMAAAAAABQAAAAUAAAAGQAAABkAAAAAAAAABcAAAAUAAAAAAAAAAAAAAD/fwAA/38AAAAAAAAJAAAABAAAAE1hc3QeAAAAaAAAAAAAAAAAAAAAAAAAAAAAAAAAAAAAECcAABAnAAAAAAAAAAAAAAAAAAAAAAAAAAAAAAAAAAAAAAAAAAAAABQAAAAAAAAAwMD/AAAAAABkAAAAMgAAAAAAAABkAAAAAAAAAH9/fwAKAAAAIgAAABgAAAAAAAAAAAAAAAAAAAAAAAAAAAAAAAAAAAAkAAAAJAAAAAAAAAAHAAAAAAAAAAAAAAAAAAAAAAAAAAAAAAAAAAAAf39/ACUAAABYAAAAAAAAAAAAAAAAAAAAAAAAAAAAAAAAAAAAAAAAAAAAAAAAAAAAAAAAAAAAAAA/AAAAAAAAAKCGAQAAAAAAAAAAAAAAAAAMAAAAAQAAAAAAAAAAAAAAAAAAAB8AAABUAAAAAAAABQAAAAEAAAAAAAAAAAAAAAAAAAAAAAAAAAAAAAAAAAAAAAAAAAAAAAJ/f38AAAAAA8zMzADAwP8Af39/AAAAAAAAAAAAAAAAAAAAAAAAAAAAIQAAABgAAAAUAAAAwAMAABsnAAA/FQAAWSkAABAAAAAmAAAACAAAAIOfAAD//8EB"/>
               </a:ext>
             </a:extLst>
           </p:cNvSpPr>
@@ -2941,7 +2943,7 @@
           </a:lstStyle>
           <a:p>
             <a:pPr/>
-            <a:fld id="{1B0EDD63-2DF6-5B2B-B8B6-DB7E93F84E8E}" type="datetime1">
+            <a:fld id="{0DCF2C15-5BE0-9ADA-AE77-AD8F623958F8}" type="datetime1">
               <a:t/>
             </a:fld>
           </a:p>
@@ -2954,7 +2956,7 @@
             <a:spLocks noGrp="1" noChangeArrowheads="1"/>
             <a:extLst>
               <a:ext uri="smNativeData">
-                <pr:smNativeData xmlns:pr="smNativeData" xmlns="smNativeData" val="SMDATA_15_SSBGaRMAAAAlAAAAZAAAAA0AAAAAkAAAAEgAAACQAAAASAAAAAAAAAABAAAAAAAAAAEAAABQAAAAAAAAAAAA4D8AAAAAAADgPwAAAAAAAOA/AAAAAAAA4D8AAAAAAADgPwAAAAAAAOA/AAAAAAAA4D8AAAAAAADgPwAAAAAAAOA/AAAAAAAA4D8CAAAAjAAAAAAAAAAAAAAAu+DjDP///wgAAAAAAAAAAAAAAAAAAAAAAAAAAAAAAAAAAAAAZAAAAAEAAABAAAAAAAAAAAAAAAAAAAAAAAAAAAAAAAAAAAAAAAAAAAAAAAAAAAAAAAAAAAAAAAAAAAAAAAAAAAAAAAAAAAAAAAAAAAAAAAAAAAAAAAAAAAAAAAAAAAAAFAAAADwAAAAAAAAAAAAAAAAAAAkUAAAAAQAAABQAAAAUAAAAFAAAAAEAAAAAAAAAZAAAAGQAAAAAAAAAZAAAAGQAAAAVAAAAYAAAAAAAAAAAAAAADwAAACADAAAAAAAAAAAAAAEAAACgMgAAVgcAAKr4//8BAAAAf39/AAEAAABkAAAAAAAAABQAAABAHwAAAAAAACYAAAAAAAAAwOD//wAAAAAmAAAAZAAAABYAAABMAAAAAAAAAAAAAAAEAAAAAAAAAAEAAACAgIAKAAAAACgAAAAoAAAAZAAAAGQAAAAAAAAAzMzMAAAAAABQAAAAUAAAAGQAAABkAAAAAAAAABcAAAAUAAAAAAAAAAAAAAD/fwAA/38AAAAAAAAJAAAABAAAAE1hc3QeAAAAaAAAAAAAAAAAAAAAAAAAAAAAAAAAAAAAECcAABAnAAAAAAAAAAAAAAAAAAAAAAAAAAAAAAAAAAAAAAAAAAAAABQAAAAAAAAAwMD/AAAAAABkAAAAMgAAAAAAAABkAAAAAAAAAH9/fwAKAAAAIgAAABgAAAAAAAAAAAAAAAAAAAAAAAAAAAAAAAAAAAAkAAAAJAAAAAAAAAAHAAAAAAAAAAAAAAAAAAAAAAAAAAAAAAAAAAAAf39/ACUAAABYAAAAAAAAAAAAAAAAAAAAAAAAAAAAAAAAAAAAAAAAAAAAAAAAAAAAAAAAAAAAAAA/AAAAAAAAAKCGAQAAAAAAAAAAAAAAAAAMAAAAAQAAAAAAAAAAAAAAAAAAAB8AAABUAAAAAAAABQAAAAEAAAAAAAAAAAAAAAAAAAAAAAAAAAAAAAAAAAAAAAAAAAAAAAJ/f38AAAAAA8zMzADAwP8Af39/AAAAAAAAAAAAAAAAAAAAAAAAAAAAIQAAABgAAAAUAAAAoRkAABsnAABfMQAAWSkAABAAAAAmAAAACAAAAIOfAAD//8EB"/>
+                <pr:smNativeData xmlns:pr="smNativeData" xmlns="smNativeData" val="SMDATA_15_msZJaRMAAAAlAAAAZAAAAA0AAAAAkAAAAEgAAACQAAAASAAAAAAAAAABAAAAAAAAAAEAAABQAAAAAAAAAAAA4D8AAAAAAADgPwAAAAAAAOA/AAAAAAAA4D8AAAAAAADgPwAAAAAAAOA/AAAAAAAA4D8AAAAAAADgPwAAAAAAAOA/AAAAAAAA4D8CAAAAjAAAAAAAAAAAAAAAu+DjDP///wgAAAAAAAAAAAAAAAAAAAAAAAAAAAAAAAAAAAAAZAAAAAEAAABAAAAAAAAAAAAAAAAAAAAAAAAAAAAAAAAAAAAAAAAAAAAAAAAAAAAAAAAAAAAAAAAAAAAAAAAAAAAAAAAAAAAAAAAAAAAAAAAAAAAAAAAAAAAAAAAAAAAAFAAAADwAAAAAAAAAAAAAAAAAAAkUAAAAAQAAABQAAAAUAAAAFAAAAAEAAAAAAAAAZAAAAGQAAAAAAAAAZAAAAGQAAAAVAAAAYAAAAAAAAAAAAAAADwAAACADAAAAAAAAAAAAAAEAAACgMgAAVgcAAKr4//8BAAAAf39/AAEAAABkAAAAAAAAABQAAABAHwAAAAAAACYAAAAAAAAAwOD//wAAAAAmAAAAZAAAABYAAABMAAAAAAAAAAAAAAAEAAAAAAAAAAEAAACAgIAKAAAAACgAAAAoAAAAZAAAAGQAAAAAAAAAzMzMAAAAAABQAAAAUAAAAGQAAABkAAAAAAAAABcAAAAUAAAAAAAAAAAAAAD/fwAA/38AAAAAAAAJAAAABAAAAE1hc3QeAAAAaAAAAAAAAAAAAAAAAAAAAAAAAAAAAAAAECcAABAnAAAAAAAAAAAAAAAAAAAAAAAAAAAAAAAAAAAAAAAAAAAAABQAAAAAAAAAwMD/AAAAAABkAAAAMgAAAAAAAABkAAAAAAAAAH9/fwAKAAAAIgAAABgAAAAAAAAAAAAAAAAAAAAAAAAAAAAAAAAAAAAkAAAAJAAAAAAAAAAHAAAAAAAAAAAAAAAAAAAAAAAAAAAAAAAAAAAAf39/ACUAAABYAAAAAAAAAAAAAAAAAAAAAAAAAAAAAAAAAAAAAAAAAAAAAAAAAAAAAAAAAAAAAAA/AAAAAAAAAKCGAQAAAAAAAAAAAAAAAAAMAAAAAQAAAAAAAAAAAAAAAAAAAB8AAABUAAAAAAAABQAAAAEAAAAAAAAAAAAAAAAAAAAAAAAAAAAAAAAAAAAAAAAAAAAAAAJ/f38AAAAAA8zMzADAwP8Af39/AAAAAAAAAAAAAAAAAAAAAAAAAAAAIQAAABgAAAAUAAAAoRkAABsnAABfMQAAWSkAABAAAAAmAAAACAAAAIOfAAD//8EB"/>
               </a:ext>
             </a:extLst>
           </p:cNvSpPr>
@@ -2999,7 +3001,7 @@
             <a:spLocks noGrp="1" noChangeArrowheads="1"/>
             <a:extLst>
               <a:ext uri="smNativeData">
-                <pr:smNativeData xmlns:pr="smNativeData" xmlns="smNativeData" val="SMDATA_15_SSBGaRMAAAAlAAAAZAAAAA0AAAAAkAAAAEgAAACQAAAASAAAAAAAAAABAAAAAAAAAAEAAABQAAAAAAAAAAAA4D8AAAAAAADgPwAAAAAAAOA/AAAAAAAA4D8AAAAAAADgPwAAAAAAAOA/AAAAAAAA4D8AAAAAAADgPwAAAAAAAOA/AAAAAAAA4D8CAAAAjAAAAAAAAAAAAAAAu+DjDP///wgAAAAAAAAAAAAAAAAAAAAAAAAAAAAAAAAAAAAAZAAAAAEAAABAAAAAAAAAAAAAAAAAAAAAAAAAAAAAAAAAAAAAAAAAAAAAAAAAAAAAAAAAAAAAAAAAAAAAAAAAAAAAAAAAAAAAAAAAAAAAAAAAAAAAAAAAAAAAAAAAAAAAFAAAADwAAAAAAAAAAAAAAAAAAAkUAAAAAQAAABQAAAAUAAAAFAAAAAEAAAAAAAAAZAAAAGQAAAAAAAAAZAAAAGQAAAAVAAAAYAAAAAAAAAAAAAAADwAAACADAAAAAAAAAAAAAAEAAACgMgAAVgcAAKr4//8BAAAAf39/AAEAAABkAAAAAAAAABQAAABAHwAAAAAAACYAAAAAAAAAwOD//wAAAAAmAAAAZAAAABYAAABMAAAAAAAAAAAAAAAEAAAAAAAAAAEAAACAgIAKAAAAACgAAAAoAAAAZAAAAGQAAAAAAAAAzMzMAAAAAABQAAAAUAAAAGQAAABkAAAAAAAAABcAAAAUAAAAAAAAAAAAAAD/fwAA/38AAAAAAAAJAAAABAAAAEFBQUEeAAAAaAAAAAAAAAAAAAAAAAAAAAAAAAAAAAAAECcAABAnAAAAAAAAAAAAAAAAAAAAAAAAAAAAAAAAAAAAAAAAAAAAABQAAAAAAAAAwMD/AAAAAABkAAAAMgAAAAAAAABkAAAAAAAAAH9/fwAKAAAAIgAAABgAAAAAAAAAAAAAAAAAAAAAAAAAAAAAAAAAAAAkAAAAJAAAAAAAAAAHAAAAAAAAAAAAAAAAAAAAAAAAAAAAAAAAAAAAf39/ACUAAABYAAAAAAAAAAAAAAAAAAAAAAAAAAAAAAAAAAAAAAAAAAAAAAAAAAAAAAAAAAAAAAA/AAAAAAAAAKCGAQAAAAAAAAAAAAAAAAAMAAAAAQAAAAAAAAAAAAAAAAAAAB8AAABUAAAAAAAABQAAAAEAAAAAAAAAAAAAAAAAAAAAAAAAAAAAAAAAAAAAAAAAAAAAAAJ/f38AAAAAA8zMzADAwP8Af39/AAAAAAAAAAAAAAAAAAAAAAAAAAAAIQAAABgAAAAUAAAAwTUAABsnAABARwAAWSkAABAAAAAmAAAACAAAAIOfAAD//8EB"/>
+                <pr:smNativeData xmlns:pr="smNativeData" xmlns="smNativeData" val="SMDATA_15_msZJaRMAAAAlAAAAZAAAAA0AAAAAkAAAAEgAAACQAAAASAAAAAAAAAABAAAAAAAAAAEAAABQAAAAAAAAAAAA4D8AAAAAAADgPwAAAAAAAOA/AAAAAAAA4D8AAAAAAADgPwAAAAAAAOA/AAAAAAAA4D8AAAAAAADgPwAAAAAAAOA/AAAAAAAA4D8CAAAAjAAAAAAAAAAAAAAAu+DjDP///wgAAAAAAAAAAAAAAAAAAAAAAAAAAAAAAAAAAAAAZAAAAAEAAABAAAAAAAAAAAAAAAAAAAAAAAAAAAAAAAAAAAAAAAAAAAAAAAAAAAAAAAAAAAAAAAAAAAAAAAAAAAAAAAAAAAAAAAAAAAAAAAAAAAAAAAAAAAAAAAAAAAAAFAAAADwAAAAAAAAAAAAAAAAAAAkUAAAAAQAAABQAAAAUAAAAFAAAAAEAAAAAAAAAZAAAAGQAAAAAAAAAZAAAAGQAAAAVAAAAYAAAAAAAAAAAAAAADwAAACADAAAAAAAAAAAAAAEAAACgMgAAVgcAAKr4//8BAAAAf39/AAEAAABkAAAAAAAAABQAAABAHwAAAAAAACYAAAAAAAAAwOD//wAAAAAmAAAAZAAAABYAAABMAAAAAAAAAAAAAAAEAAAAAAAAAAEAAACAgIAKAAAAACgAAAAoAAAAZAAAAGQAAAAAAAAAzMzMAAAAAABQAAAAUAAAAGQAAABkAAAAAAAAABcAAAAUAAAAAAAAAAAAAAD/fwAA/38AAAAAAAAJAAAABAAAAEFBQUEeAAAAaAAAAAAAAAAAAAAAAAAAAAAAAAAAAAAAECcAABAnAAAAAAAAAAAAAAAAAAAAAAAAAAAAAAAAAAAAAAAAAAAAABQAAAAAAAAAwMD/AAAAAABkAAAAMgAAAAAAAABkAAAAAAAAAH9/fwAKAAAAIgAAABgAAAAAAAAAAAAAAAAAAAAAAAAAAAAAAAAAAAAkAAAAJAAAAAAAAAAHAAAAAAAAAAAAAAAAAAAAAAAAAAAAAAAAAAAAf39/ACUAAABYAAAAAAAAAAAAAAAAAAAAAAAAAAAAAAAAAAAAAAAAAAAAAAAAAAAAAAAAAAAAAAA/AAAAAAAAAKCGAQAAAAAAAAAAAAAAAAAMAAAAAQAAAAAAAAAAAAAAAAAAAB8AAABUAAAAAAAABQAAAAEAAAAAAAAAAAAAAAAAAAAAAAAAAAAAAAAAAAAAAAAAAAAAAAJ/f38AAAAAA8zMzADAwP8Af39/AAAAAAAAAAAAAAAAAAAAAAAAAAAAIQAAABgAAAAUAAAAwTUAABsnAABARwAAWSkAABAAAAAmAAAACAAAAIOfAAD//8EB"/>
               </a:ext>
             </a:extLst>
           </p:cNvSpPr>
@@ -3034,7 +3036,7 @@
           </a:lstStyle>
           <a:p>
             <a:pPr/>
-            <a:fld id="{1B0EB6DE-90F6-5B40-B8B6-6615F8F84E33}" type="slidenum">
+            <a:fld id="{0DCF48B3-FDE0-9ABE-AE77-0BEB0639585E}" type="slidenum">
               <a:t/>
             </a:fld>
           </a:p>
@@ -3713,7 +3715,7 @@
             <a:spLocks noGrp="1" noChangeArrowheads="1"/>
             <a:extLst>
               <a:ext uri="smNativeData">
-                <pr:smNativeData xmlns:pr="smNativeData" xmlns="smNativeData" val="SMDATA_15_SSBGaRMAAAAlAAAAZAAAAA0AAAAAkAAAAEgAAACQAAAASAAAAAAAAAABAAAAAAAAAAEAAABQAAAAAAAAAAAA4D8AAAAAAADgPwAAAAAAAOA/AAAAAAAA4D8AAAAAAADgPwAAAAAAAOA/AAAAAAAA4D8AAAAAAADgPwAAAAAAAOA/AAAAAAAA4D8CAAAAjAAAAAAAAAAAAAAAu+DjDP///wgAAAAAAAAAAAAAAAAAAAAAAAAAAAAAAAAAAAAAZAAAAAEAAABAAAAAAAAAAAAAAAAAAAAAAAAAAAAAAAAAAAAAAAAAAAAAAAAAAAAAAAAAAAAAAAAAAAAAAAAAAAAAAAAAAAAAAAAAAAAAAAAAAAAAAAAAAAAAAAAAAAAAFAAAADwAAAAAAAAAAAAAAAAAAAkUAAAAAQAAABQAAAAUAAAAFAAAAAEAAAAAAAAAZAAAAGQAAAAAAAAAZAAAAGQAAAAVAAAAYAAAAAAAAAAAAAAADwAAACADAAAAAAAAAAAAAAEAAACgMgAAVgcAAKr4//8BAAAAf39/AAEAAABkAAAAAAAAABQAAABAHwAAAAAAACYAAAAAAAAAwOD//wAAAAAmAAAAZAAAABYAAABMAAAAAAAAAAAAAAAEAAAAAAAAAAEAAACAgIAKAAAAACgAAAAoAAAAZAAAAGQAAAAAAAAAzMzMAAAAAABQAAAAUAAAAGQAAABkAAAAAAAAABcAAAAUAAAAAAAAAAAAAAD/fwAA/38AAAAAAAAJAAAABAAAAAAAAAAeAAAAaAAAAAAAAAAAAAAAAAAAAAAAAAAAAAAAECcAABAnAAAAAAAAAAAAAAAAAAAAAAAAAAAAAAAAAAAAAAAAAAAAABQAAAAAAAAAwMD/AAAAAABkAAAAMgAAAAAAAABkAAAAAAAAAH9/fwAKAAAAIgAAABgAAAAAAAAAAAAAAAAAAAAAAAAAAAAAAAAAAAAkAAAAJAAAAAAAAAAHAAAAAAAAAAAAAAAAAAAAAAAAAAAAAAAAAAAAf39/ACUAAABYAAAAAAAAAAAAAAAAAAAAAAAAAAAAAAAAAAAAAAAAAAAAAAAAAAAAAAAAAAAAAAA/AAAAAAAAAKCGAQAAAAAAAAAAAAAAAAAMAAAAAQAAAAAAAAAAAAAAAAAAAB8AAABUAAAAAAAABQAAAAEAAAAAAAAAAAAAAAAAAAAAAAAAAAAAAAAAAAAAAAAAAAAAAAJ/f38AAAAAA8zMzADAwP8Af39/AAAAAAAAAAAAAAAAAAAAAAAAAAAAIQAAABgAAAAUAAAAoAUAABoNAABgRQAAJhYAABAAAAAmAAAACAAAAAAAAAAAAAAA"/>
+                <pr:smNativeData xmlns:pr="smNativeData" xmlns="smNativeData" val="SMDATA_15_msZJaRMAAAAlAAAAZAAAAA0AAAAAkAAAAEgAAACQAAAASAAAAAAAAAABAAAAAAAAAAEAAABQAAAAAAAAAAAA4D8AAAAAAADgPwAAAAAAAOA/AAAAAAAA4D8AAAAAAADgPwAAAAAAAOA/AAAAAAAA4D8AAAAAAADgPwAAAAAAAOA/AAAAAAAA4D8CAAAAjAAAAAAAAAAAAAAAu+DjDP///wgAAAAAAAAAAAAAAAAAAAAAAAAAAAAAAAAAAAAAZAAAAAEAAABAAAAAAAAAAAAAAAAAAAAAAAAAAAAAAAAAAAAAAAAAAAAAAAAAAAAAAAAAAAAAAAAAAAAAAAAAAAAAAAAAAAAAAAAAAAAAAAAAAAAAAAAAAAAAAAAAAAAAFAAAADwAAAAAAAAAAAAAAAAAAAkUAAAAAQAAABQAAAAUAAAAFAAAAAEAAAAAAAAAZAAAAGQAAAAAAAAAZAAAAGQAAAAVAAAAYAAAAAAAAAAAAAAADwAAACADAAAAAAAAAAAAAAEAAACgMgAAVgcAAKr4//8BAAAAf39/AAEAAABkAAAAAAAAABQAAABAHwAAAAAAACYAAAAAAAAAwOD//wAAAAAmAAAAZAAAABYAAABMAAAAAAAAAAAAAAAEAAAAAAAAAAEAAACAgIAKAAAAACgAAAAoAAAAZAAAAGQAAAAAAAAAzMzMAAAAAABQAAAAUAAAAGQAAABkAAAAAAAAABcAAAAUAAAAAAAAAAAAAAD/fwAA/38AAAAAAAAJAAAABAAAAAAAAAAeAAAAaAAAAAAAAAAAAAAAAAAAAAAAAAAAAAAAECcAABAnAAAAAAAAAAAAAAAAAAAAAAAAAAAAAAAAAAAAAAAAAAAAABQAAAAAAAAAwMD/AAAAAABkAAAAMgAAAAAAAABkAAAAAAAAAH9/fwAKAAAAIgAAABgAAAAAAAAAAAAAAAAAAAAAAAAAAAAAAAAAAAAkAAAAJAAAAAAAAAAHAAAAAAAAAAAAAAAAAAAAAAAAAAAAAAAAAAAAf39/ACUAAABYAAAAAAAAAAAAAAAAAAAAAAAAAAAAAAAAAAAAAAAAAAAAAAAAAAAAAAAAAAAAAAA/AAAAAAAAAKCGAQAAAAAAAAAAAAAAAAAMAAAAAQAAAAAAAAAAAAAAAAAAAB8AAABUAAAAAAAABQAAAAEAAAAAAAAAAAAAAAAAAAAAAAAAAAAAAAAAAAAAAAAAAAAAAAJ/f38AAAAAA8zMzADAwP8Af39/AAAAAAAAAAAAAAAAAAAAAAAAAAAAIQAAABgAAAAUAAAAoAUAABoNAABgRQAAJhYAABAAAAAmAAAACAAAAAAAAAAAAAAA"/>
               </a:ext>
             </a:extLst>
           </p:cNvSpPr>
@@ -3740,7 +3742,7 @@
             <a:spLocks noGrp="1" noChangeArrowheads="1"/>
             <a:extLst>
               <a:ext uri="smNativeData">
-                <pr:smNativeData xmlns:pr="smNativeData" xmlns="smNativeData" val="SMDATA_15_SSBGaRMAAAAlAAAAZAAAAA0AAAAAkAAAAEgAAACQAAAASAAAAAAAAAAAAAAAAAAAAAEAAABQAAAAAAAAAAAA4D8AAAAAAADgPwAAAAAAAOA/AAAAAAAA4D8AAAAAAADgPwAAAAAAAOA/AAAAAAAA4D8AAAAAAADgPwAAAAAAAOA/AAAAAAAA4D8CAAAAjAAAAAAAAAAAAAAAu+DjDP///wgAAAAAAAAAAAAAAAAAAAAAAAAAAAAAAAAAAAAAZAAAAAEAAABAAAAAAAAAAAAAAAAAAAAAAAAAAAAAAAAAAAAAAAAAAAAAAAAAAAAAAAAAAAAAAAAAAAAAAAAAAAAAAAAAAAAAAAAAAAAAAAAAAAAAAAAAAAAAAAAAAAAAFAAAADwAAAAAAAAAAAAAAAAAAAkUAAAAAQAAABQAAAAUAAAAFAAAAAEAAAAAAAAAZAAAAGQAAAAAAAAAZAAAAGQAAAAVAAAAYAAAAAAAAAAAAAAADwAAACADAAAAAAAAAAAAAAEAAACgMgAAVgcAAKr4//8BAAAAf39/AAEAAABkAAAAAAAAABQAAABAHwAAAAAAACYAAAAAAAAAwOD//wAAAAAmAAAAZAAAABYAAABMAAAAAAAAAAAAAAAEAAAAAAAAAAEAAACAgIAKAAAAACgAAAAoAAAAZAAAAGQAAAAAAAAAzMzMAAAAAABQAAAAUAAAAGQAAABkAAAAAAAAABcAAAAUAAAAAAAAAAAAAAD/fwAA/38AAAAAAAAJAAAABAAAAAAAAAAeAAAAaAAAAAAAAAAAAAAAAAAAAAAAAAAAAAAAECcAABAnAAAAAAAAAAAAAAAAAAAAAAAAAAAAAAAAAAAAAAAAAAAAABQAAAAAAAAAwMD/AAAAAABkAAAAMgAAAAAAAABkAAAAAAAAAH9/fwAKAAAAIgAAABgAAAAAAAAAAAAAAAAAAAAAAAAAAAAAAAAAAAAkAAAAJAAAAAAAAAAHAAAAAAAAAAAAAAAAAAAAAAAAAAAAAAAAAAAAf39/ACUAAABYAAAAAAAAAAAAAAAAAAAAAAAAAAAAAAAAAAAAAAAAAAAAAAAAAAAAAAAAAAAAAAA/AAAAAAAAAKCGAQAAAAAAAAAAAAAAAAAMAAAAAQAAAAAAAAAAAAAAAAAAAB8AAABUAAAAAAAABQAAAAEAAAAAAAAAAAAAAAAAAAAAAAAAAAAAAAAAAAAAAAAAAAAAAAJ/f38AAAAAA8zMzADAwP8Af39/AAAAAAAAAAAAAAAAAAAAAAAAAAAAIQAAABgAAAAUAAAAQAsAAOgXAADAPwAAsCIAABAAAAAmAAAACAAAAAAAAAAAAAAA"/>
+                <pr:smNativeData xmlns:pr="smNativeData" xmlns="smNativeData" val="SMDATA_15_msZJaRMAAAAlAAAAZAAAAA0AAAAAkAAAAEgAAACQAAAASAAAAAAAAAAAAAAAAAAAAAEAAABQAAAAAAAAAAAA4D8AAAAAAADgPwAAAAAAAOA/AAAAAAAA4D8AAAAAAADgPwAAAAAAAOA/AAAAAAAA4D8AAAAAAADgPwAAAAAAAOA/AAAAAAAA4D8CAAAAjAAAAAAAAAAAAAAAu+DjDP///wgAAAAAAAAAAAAAAAAAAAAAAAAAAAAAAAAAAAAAZAAAAAEAAABAAAAAAAAAAAAAAAAAAAAAAAAAAAAAAAAAAAAAAAAAAAAAAAAAAAAAAAAAAAAAAAAAAAAAAAAAAAAAAAAAAAAAAAAAAAAAAAAAAAAAAAAAAAAAAAAAAAAAFAAAADwAAAAAAAAAAAAAAAAAAAkUAAAAAQAAABQAAAAUAAAAFAAAAAEAAAAAAAAAZAAAAGQAAAAAAAAAZAAAAGQAAAAVAAAAYAAAAAAAAAAAAAAADwAAACADAAAAAAAAAAAAAAEAAACgMgAAVgcAAKr4//8BAAAAf39/AAEAAABkAAAAAAAAABQAAABAHwAAAAAAACYAAAAAAAAAwOD//wAAAAAmAAAAZAAAABYAAABMAAAAAAAAAAAAAAAEAAAAAAAAAAEAAACAgIAKAAAAACgAAAAoAAAAZAAAAGQAAAAAAAAAzMzMAAAAAABQAAAAUAAAAGQAAABkAAAAAAAAABcAAAAUAAAAAAAAAAAAAAD/fwAA/38AAAAAAAAJAAAABAAAAAAAAAAeAAAAaAAAAAAAAAAAAAAAAAAAAAAAAAAAAAAAECcAABAnAAAAAAAAAAAAAAAAAAAAAAAAAAAAAAAAAAAAAAAAAAAAABQAAAAAAAAAwMD/AAAAAABkAAAAMgAAAAAAAABkAAAAAAAAAH9/fwAKAAAAIgAAABgAAAAAAAAAAAAAAAAAAAAAAAAAAAAAAAAAAAAkAAAAJAAAAAAAAAAHAAAAAAAAAAAAAAAAAAAAAAAAAAAAAAAAAAAAf39/ACUAAABYAAAAAAAAAAAAAAAAAAAAAAAAAAAAAAAAAAAAAAAAAAAAAAAAAAAAAAAAAAAAAAA/AAAAAAAAAKCGAQAAAAAAAAAAAAAAAAAMAAAAAQAAAAAAAAAAAAAAAAAAAB8AAABUAAAAAAAABQAAAAEAAAAAAAAAAAAAAAAAAAAAAAAAAAAAAAAAAAAAAAAAAAAAAAJ/f38AAAAAA8zMzADAwP8Af39/AAAAAAAAAAAAAAAAAAAAAAAAAAAAIQAAABgAAAAUAAAAQAsAAOgXAADAPwAAsCIAABAAAAAmAAAACAAAAAAAAAAAAAAA"/>
               </a:ext>
             </a:extLst>
           </p:cNvSpPr>
@@ -3796,7 +3798,7 @@
             <a:spLocks noGrp="1" noChangeArrowheads="1"/>
             <a:extLst>
               <a:ext uri="smNativeData">
-                <pr:smNativeData xmlns:pr="smNativeData" xmlns="smNativeData" val="SMDATA_15_SSBGaRMAAAAlAAAAZAAAAA0AAAAAkAAAAEgAAACQAAAASAAAAAAAAAABAAAAAAAAAAEAAABQAAAAAAAAAAAA4D8AAAAAAADgPwAAAAAAAOA/AAAAAAAA4D8AAAAAAADgPwAAAAAAAOA/AAAAAAAA4D8AAAAAAADgPwAAAAAAAOA/AAAAAAAA4D8CAAAAjAAAAAAAAAAAAAAAu+DjDP///wgAAAAAAAAAAAAAAAAAAAAAAAAAAAAAAAAAAAAAZAAAAAEAAABAAAAAAAAAAAAAAAAAAAAAAAAAAAAAAAAAAAAAAAAAAAAAAAAAAAAAAAAAAAAAAAAAAAAAAAAAAAAAAAAAAAAAAAAAAAAAAAAAAAAAAAAAAAAAAAAAAAAAFAAAADwAAAAAAAAAAAAAAAAAAAkUAAAAAQAAABQAAAAUAAAAFAAAAAEAAAAAAAAAZAAAAGQAAAAAAAAAZAAAAGQAAAAVAAAAYAAAAAAAAAAAAAAADwAAACADAAAAAAAAAAAAAAEAAACgMgAAVgcAAKr4//8BAAAAf39/AAEAAABkAAAAAAAAABQAAABAHwAAAAAAACYAAAAAAAAAwOD//wAAAAAmAAAAZAAAABYAAABMAAAAAAAAAAAAAAAEAAAAAAAAAAEAAACAgIAKAAAAACgAAAAoAAAAZAAAAGQAAAAAAAAAzMzMAAAAAABQAAAAUAAAAGQAAABkAAAAAAAAABcAAAAUAAAAAAAAAAAAAAD/fwAA/38AAAAAAAAJAAAABAAAAAAAAAAeAAAAaAAAAAAAAAAAAAAAAAAAAAAAAAAAAAAAECcAABAnAAAAAAAAAAAAAAAAAAAAAAAAAAAAAAAAAAAAAAAAAAAAABQAAAAAAAAAwMD/AAAAAABkAAAAMgAAAAAAAABkAAAAAAAAAH9/fwAKAAAAIgAAABgAAAAAAAAAAAAAAAAAAAAAAAAAAAAAAAAAAAAkAAAAJAAAAAAAAAAHAAAAAAAAAAAAAAAAAAAAAAAAAAAAAAAAAAAAf39/ACUAAABYAAAAAAAAAAAAAAAAAAAAAAAAAAAAAAAAAAAAAAAAAAAAAAAAAAAAAAAAAAAAAAA/AAAAAAAAAKCGAQAAAAAAAAAAAAAAAAAMAAAAAQAAAAAAAAAAAAAAAAAAAB8AAABUAAAAAAAABQAAAAEAAAAAAAAAAAAAAAAAAAAAAAAAAAAAAAAAAAAAAAAAAAAAAAJ/f38AAAAAA8zMzADAwP8Af39/AAAAAAAAAAAAAAAAAAAAAAAAAAAAIQAAABgAAAAUAAAAwAMAALABAABARwAAuAgAAAAAAAAmAAAACAAAAAEAAAAAAAAA"/>
+                <pr:smNativeData xmlns:pr="smNativeData" xmlns="smNativeData" val="SMDATA_15_msZJaRMAAAAlAAAAZAAAAA0AAAAAkAAAAEgAAACQAAAASAAAAAAAAAABAAAAAAAAAAEAAABQAAAAAAAAAAAA4D8AAAAAAADgPwAAAAAAAOA/AAAAAAAA4D8AAAAAAADgPwAAAAAAAOA/AAAAAAAA4D8AAAAAAADgPwAAAAAAAOA/AAAAAAAA4D8CAAAAjAAAAAAAAAAAAAAAu+DjDP///wgAAAAAAAAAAAAAAAAAAAAAAAAAAAAAAAAAAAAAZAAAAAEAAABAAAAAAAAAAAAAAAAAAAAAAAAAAAAAAAAAAAAAAAAAAAAAAAAAAAAAAAAAAAAAAAAAAAAAAAAAAAAAAAAAAAAAAAAAAAAAAAAAAAAAAAAAAAAAAAAAAAAAFAAAADwAAAAAAAAAAAAAAAAAAAkUAAAAAQAAABQAAAAUAAAAFAAAAAEAAAAAAAAAZAAAAGQAAAAAAAAAZAAAAGQAAAAVAAAAYAAAAAAAAAAAAAAADwAAACADAAAAAAAAAAAAAAEAAACgMgAAVgcAAKr4//8BAAAAf39/AAEAAABkAAAAAAAAABQAAABAHwAAAAAAACYAAAAAAAAAwOD//wAAAAAmAAAAZAAAABYAAABMAAAAAAAAAAAAAAAEAAAAAAAAAAEAAACAgIAKAAAAACgAAAAoAAAAZAAAAGQAAAAAAAAAzMzMAAAAAABQAAAAUAAAAGQAAABkAAAAAAAAABcAAAAUAAAAAAAAAAAAAAD/fwAA/38AAAAAAAAJAAAABAAAAAAAAAAeAAAAaAAAAAAAAAAAAAAAAAAAAAAAAAAAAAAAECcAABAnAAAAAAAAAAAAAAAAAAAAAAAAAAAAAAAAAAAAAAAAAAAAABQAAAAAAAAAwMD/AAAAAABkAAAAMgAAAAAAAABkAAAAAAAAAH9/fwAKAAAAIgAAABgAAAAAAAAAAAAAAAAAAAAAAAAAAAAAAAAAAAAkAAAAJAAAAAAAAAAHAAAAAAAAAAAAAAAAAAAAAAAAAAAAAAAAAAAAf39/ACUAAABYAAAAAAAAAAAAAAAAAAAAAAAAAAAAAAAAAAAAAAAAAAAAAAAAAAAAAAAAAAAAAAA/AAAAAAAAAKCGAQAAAAAAAAAAAAAAAAAMAAAAAQAAAAAAAAAAAAAAAAAAAB8AAABUAAAAAAAABQAAAAEAAAAAAAAAAAAAAAAAAAAAAAAAAAAAAAAAAAAAAAAAAAAAAAJ/f38AAAAAA8zMzADAwP8Af39/AAAAAAAAAAAAAAAAAAAAAAAAAAAAIQAAABgAAAAUAAAAwAMAALABAABARwAAuAgAABAAAAAmAAAACAAAAAAAAAAAAAAA"/>
               </a:ext>
             </a:extLst>
           </p:cNvSpPr>
@@ -3804,12 +3806,7 @@
             <p:ph type="title"/>
           </p:nvPr>
         </p:nvSpPr>
-        <p:spPr>
-          <a:xfrm>
-            <a:off x="609600" y="274320"/>
-            <a:ext cx="10972800" cy="1143000"/>
-          </a:xfrm>
-        </p:spPr>
+        <p:spPr/>
         <p:txBody>
           <a:bodyPr/>
           <a:lstStyle/>
@@ -3828,7 +3825,7 @@
             <a:spLocks noGrp="1" noChangeArrowheads="1"/>
             <a:extLst>
               <a:ext uri="smNativeData">
-                <pr:smNativeData xmlns:pr="smNativeData" xmlns="smNativeData" val="SMDATA_15_SSBGaRMAAAAlAAAAZAAAAA0AAAAAkAAAAEgAAACQAAAASAAAAAAAAAAAAAAAAAAAAAEAAABQAAAAAAAAAAAA4D8AAAAAAADgPwAAAAAAAOA/AAAAAAAA4D8AAAAAAADgPwAAAAAAAOA/AAAAAAAA4D8AAAAAAADgPwAAAAAAAOA/AAAAAAAA4D8CAAAAjAAAAAAAAAAAAAAAu+DjDP///wgAAAAAAAAAAAAAAAAAAAAAAAAAAAAAAAAAAAAAZAAAAAEAAABAAAAAAAAAAAAAAAAAAAAAAAAAAAAAAAAAAAAAAAAAAAAAAAAAAAAAAAAAAAAAAAAAAAAAAAAAAAAAAAAAAAAAAAAAAAAAAAAAAAAAAAAAAAAAAAAAAAAAFAAAADwAAAAAAAAAAAAAAAAAAAkUAAAAAQAAABQAAAAUAAAAFAAAAAEAAAAAAAAAZAAAAGQAAAAAAAAAZAAAAGQAAAAVAAAAYAAAAAAAAAAAAAAADwAAACADAAAAAAAAAAAAAAEAAACgMgAAVgcAAKr4//8BAAAAf39/AAEAAABkAAAAAAAAABQAAABAHwAAAAAAACYAAAAAAAAAwOD//wAAAAAmAAAAZAAAABYAAABMAAAAAAAAAAAAAAAEAAAAAAAAAAEAAACAgIAKAAAAACgAAAAoAAAAZAAAAGQAAAAAAAAAzMzMAAAAAABQAAAAUAAAAGQAAABkAAAAAAAAABcAAAAUAAAAAAAAAAAAAAD/fwAA/38AAAAAAAAJAAAABAAAAF8AYAAeAAAAaAAAAAAAAAAAAAAAAAAAAAAAAAAAAAAAECcAABAnAAAAAAAAAAAAAAAAAAAAAAAAAAAAAAAAAAAAAAAAAAAAABQAAAAAAAAAwMD/AAAAAABkAAAAMgAAAAAAAABkAAAAAAAAAH9/fwAKAAAAIgAAABgAAAAAAAAAAAAAAAAAAAAAAAAAAAAAAAAAAAAkAAAAJAAAAAAAAAAHAAAAAAAAAAAAAAAAAAAAAAAAAAAAAAAAAAAAf39/ACUAAABYAAAAAAAAAAAAAAAAAAAAAAAAAAAAAAAAAAAAAAAAAAAAAAAAAAAAAAAAAAAAAAA/AAAAAAAAAKCGAQAAAAAAAAAAAAAAAAAMAAAAAQAAAAAAAAAAAAAAAAAAAB8AAABUAAAAAAAABQAAAAEAAAAAAAAAAAAAAAAAAAAAAAAAAAAAAAAAAAAAAAAAAAAAAAJ/f38AAAAAA8zMzADAwP8Af39/AAAAAAAAAAAAAAAAAAAAAAAAAAAAIQAAABgAAAAUAAAAwAMAANgJAABARwAAsCUAAAAAAAAmAAAACAAAAAEAAAAAAAAA"/>
+                <pr:smNativeData xmlns:pr="smNativeData" xmlns="smNativeData" val="SMDATA_15_msZJaRMAAAAlAAAAZAAAAA0AAAAAkAAAAEgAAACQAAAASAAAAAAAAAAAAAAAAAAAAAEAAABQAAAAAAAAAAAA4D8AAAAAAADgPwAAAAAAAOA/AAAAAAAA4D8AAAAAAADgPwAAAAAAAOA/AAAAAAAA4D8AAAAAAADgPwAAAAAAAOA/AAAAAAAA4D8CAAAAjAAAAAAAAAAAAAAAu+DjDP///wgAAAAAAAAAAAAAAAAAAAAAAAAAAAAAAAAAAAAAZAAAAAEAAABAAAAAAAAAAAAAAAAAAAAAAAAAAAAAAAAAAAAAAAAAAAAAAAAAAAAAAAAAAAAAAAAAAAAAAAAAAAAAAAAAAAAAAAAAAAAAAAAAAAAAAAAAAAAAAAAAAAAAFAAAADwAAAAAAAAAAAAAAAAAAAkUAAAAAQAAABQAAAAUAAAAFAAAAAEAAAAAAAAAZAAAAGQAAAAAAAAAZAAAAGQAAAAVAAAAYAAAAAAAAAAAAAAADwAAACADAAAAAAAAAAAAAAEAAACgMgAAVgcAAKr4//8BAAAAf39/AAEAAABkAAAAAAAAABQAAABAHwAAAAAAACYAAAAAAAAAwOD//wAAAAAmAAAAZAAAABYAAABMAAAAAAAAAAAAAAAEAAAAAAAAAAEAAACAgIAKAAAAACgAAAAoAAAAZAAAAGQAAAAAAAAAzMzMAAAAAABQAAAAUAAAAGQAAABkAAAAAAAAABcAAAAUAAAAAAAAAAAAAAD/fwAA/38AAAAAAAAJAAAABAAAAF8AYAAeAAAAaAAAAAAAAAAAAAAAAAAAAAAAAAAAAAAAECcAABAnAAAAAAAAAAAAAAAAAAAAAAAAAAAAAAAAAAAAAAAAAAAAABQAAAAAAAAAwMD/AAAAAABkAAAAMgAAAAAAAABkAAAAAAAAAH9/fwAKAAAAIgAAABgAAAAAAAAAAAAAAAAAAAAAAAAAAAAAAAAAAAAkAAAAJAAAAAAAAAAHAAAAAAAAAAAAAAAAAAAAAAAAAAAAAAAAAAAAf39/ACUAAABYAAAAAAAAAAAAAAAAAAAAAAAAAAAAAAAAAAAAAAAAAAAAAAAAAAAAAAAAAAAAAAA/AAAAAAAAAKCGAQAAAAAAAAAAAAAAAAAMAAAAAQAAAAAAAAAAAAAAAAAAAB8AAABUAAAAAAAABQAAAAEAAAAAAAAAAAAAAAAAAAAAAAAAAAAAAAAAAAAAAAAAAAAAAAJ/f38AAAAAA8zMzADAwP8Af39/AAAAAAAAAAAAAAAAAAAAAAAAAAAAIQAAABgAAAAUAAAAwAMAANgJAABARwAAsCUAABAAAAAmAAAACAAAAAAAAAAAAAAA"/>
               </a:ext>
             </a:extLst>
           </p:cNvSpPr>
@@ -3836,12 +3833,7 @@
             <p:ph type="body" idx="1"/>
           </p:nvPr>
         </p:nvSpPr>
-        <p:spPr>
-          <a:xfrm>
-            <a:off x="609600" y="1600200"/>
-            <a:ext cx="10972800" cy="4526280"/>
-          </a:xfrm>
-        </p:spPr>
+        <p:spPr/>
         <p:txBody>
           <a:bodyPr/>
           <a:lstStyle/>
@@ -3923,6 +3915,7 @@
               <a:rPr sz="2400" cap="none"/>
               <a:t>Many layers allow complex heirarchical combos of features</a:t>
             </a:r>
+            <a:endParaRPr sz="2400" cap="none"/>
           </a:p>
           <a:p>
             <a:pPr lvl="1"/>
@@ -3968,7 +3961,7 @@
             <a:spLocks noGrp="1" noChangeArrowheads="1"/>
             <a:extLst>
               <a:ext uri="smNativeData">
-                <pr:smNativeData xmlns:pr="smNativeData" xmlns="smNativeData" val="SMDATA_15_SSBGaRMAAAAlAAAAZAAAAA0AAAAAkAAAAEgAAACQAAAASAAAAAAAAAABAAAAAAAAAAEAAABQAAAAAAAAAAAA4D8AAAAAAADgPwAAAAAAAOA/AAAAAAAA4D8AAAAAAADgPwAAAAAAAOA/AAAAAAAA4D8AAAAAAADgPwAAAAAAAOA/AAAAAAAA4D8CAAAAjAAAAAAAAAAAAAAAu+DjDP///wgAAAAAAAAAAAAAAAAAAAAAAAAAAAAAAAAAAAAAZAAAAAEAAABAAAAAAAAAAAAAAAAAAAAAAAAAAAAAAAAAAAAAAAAAAAAAAAAAAAAAAAAAAAAAAAAAAAAAAAAAAAAAAAAAAAAAAAAAAAAAAAAAAAAAAAAAAAAAAAAAAAAAFAAAADwAAAAAAAAAAAAAAAAAAAkUAAAAAQAAABQAAAAUAAAAFAAAAAEAAAAAAAAAZAAAAGQAAAAAAAAAZAAAAGQAAAAVAAAAYAAAAAAAAAAAAAAADwAAACADAAAAAAAAAAAAAAEAAACgMgAAVgcAAKr4//8BAAAAf39/AAEAAABkAAAAAAAAABQAAABAHwAAAAAAACYAAAAAAAAAwOD//wAAAAAmAAAAZAAAABYAAABMAAAAAAAAAAAAAAAEAAAAAAAAAAEAAACAgIAKAAAAACgAAAAoAAAAZAAAAGQAAAAAAAAAzMzMAAAAAABQAAAAUAAAAGQAAABkAAAAAAAAABcAAAAUAAAAAAAAAAAAAAD/fwAA/38AAAAAAAAJAAAABAAAAF8AYAAeAAAAaAAAAAAAAAAAAAAAAAAAAAAAAAAAAAAAECcAABAnAAAAAAAAAAAAAAAAAAAAAAAAAAAAAAAAAAAAAAAAAAAAABQAAAAAAAAAwMD/AAAAAABkAAAAMgAAAAAAAABkAAAAAAAAAH9/fwAKAAAAIgAAABgAAAAAAAAAAAAAAAAAAAAAAAAAAAAAAAAAAAAkAAAAJAAAAAAAAAAHAAAAAAAAAAAAAAAAAAAAAAAAAAAAAAAAAAAAf39/ACUAAABYAAAAAAAAAAAAAAAAAAAAAAAAAAAAAAAAAAAAAAAAAAAAAAAAAAAAAAAAAAAAAAA/AAAAAAAAAKCGAQAAAAAAAAAAAAAAAAAMAAAAAQAAAAAAAAAAAAAAAAAAAB8AAABUAAAAAAAABQAAAAEAAAAAAAAAAAAAAAAAAAAAAAAAAAAAAAAAAAAAAAAAAAAAAAJ/f38AAAAAA8zMzADAwP8Af39/AAAAAAAAAAAAAAAAAAAAAAAAAAAAIQAAABgAAAAUAAAAwAMAALABAABARwAAuAgAAAAAAAAmAAAACAAAAAEAAAAAAAAA"/>
+                <pr:smNativeData xmlns:pr="smNativeData" xmlns="smNativeData" val="SMDATA_15_msZJaRMAAAAlAAAAZAAAAA0AAAAAkAAAAEgAAACQAAAASAAAAAAAAAABAAAAAAAAAAEAAABQAAAAAAAAAAAA4D8AAAAAAADgPwAAAAAAAOA/AAAAAAAA4D8AAAAAAADgPwAAAAAAAOA/AAAAAAAA4D8AAAAAAADgPwAAAAAAAOA/AAAAAAAA4D8CAAAAjAAAAAAAAAAAAAAAu+DjDP///wgAAAAAAAAAAAAAAAAAAAAAAAAAAAAAAAAAAAAAZAAAAAEAAABAAAAAAAAAAAAAAAAAAAAAAAAAAAAAAAAAAAAAAAAAAAAAAAAAAAAAAAAAAAAAAAAAAAAAAAAAAAAAAAAAAAAAAAAAAAAAAAAAAAAAAAAAAAAAAAAAAAAAFAAAADwAAAAAAAAAAAAAAAAAAAkUAAAAAQAAABQAAAAUAAAAFAAAAAEAAAAAAAAAZAAAAGQAAAAAAAAAZAAAAGQAAAAVAAAAYAAAAAAAAAAAAAAADwAAACADAAAAAAAAAAAAAAEAAACgMgAAVgcAAKr4//8BAAAAf39/AAEAAABkAAAAAAAAABQAAABAHwAAAAAAACYAAAAAAAAAwOD//wAAAAAmAAAAZAAAABYAAABMAAAAAAAAAAAAAAAEAAAAAAAAAAEAAACAgIAKAAAAACgAAAAoAAAAZAAAAGQAAAAAAAAAzMzMAAAAAABQAAAAUAAAAGQAAABkAAAAAAAAABcAAAAUAAAAAAAAAAAAAAD/fwAA/38AAAAAAAAJAAAABAAAAF8AYAAeAAAAaAAAAAAAAAAAAAAAAAAAAAAAAAAAAAAAECcAABAnAAAAAAAAAAAAAAAAAAAAAAAAAAAAAAAAAAAAAAAAAAAAABQAAAAAAAAAwMD/AAAAAABkAAAAMgAAAAAAAABkAAAAAAAAAH9/fwAKAAAAIgAAABgAAAAAAAAAAAAAAAAAAAAAAAAAAAAAAAAAAAAkAAAAJAAAAAAAAAAHAAAAAAAAAAAAAAAAAAAAAAAAAAAAAAAAAAAAf39/ACUAAABYAAAAAAAAAAAAAAAAAAAAAAAAAAAAAAAAAAAAAAAAAAAAAAAAAAAAAAAAAAAAAAA/AAAAAAAAAKCGAQAAAAAAAAAAAAAAAAAMAAAAAQAAAAAAAAAAAAAAAAAAAB8AAABUAAAAAAAABQAAAAEAAAAAAAAAAAAAAAAAAAAAAAAAAAAAAAAAAAAAAAAAAAAAAAJ/f38AAAAAA8zMzADAwP8Af39/AAAAAAAAAAAAAAAAAAAAAAAAAAAAIQAAABgAAAAUAAAAwAMAALABAABARwAAuAgAABAAAAAmAAAACAAAAAAAAAAAAAAA"/>
               </a:ext>
             </a:extLst>
           </p:cNvSpPr>
@@ -3976,12 +3969,7 @@
             <p:ph type="title"/>
           </p:nvPr>
         </p:nvSpPr>
-        <p:spPr>
-          <a:xfrm>
-            <a:off x="609600" y="274320"/>
-            <a:ext cx="10972800" cy="1143000"/>
-          </a:xfrm>
-        </p:spPr>
+        <p:spPr/>
         <p:txBody>
           <a:bodyPr/>
           <a:lstStyle/>
@@ -4006,7 +3994,7 @@
             <a:spLocks noGrp="1" noChangeArrowheads="1"/>
             <a:extLst>
               <a:ext uri="smNativeData">
-                <pr:smNativeData xmlns:pr="smNativeData" xmlns="smNativeData" val="SMDATA_15_SSBGaRMAAAAlAAAAZAAAAA0AAAAAkAAAAEgAAACQAAAASAAAAAAAAAAAAAAAAAAAAAEAAABQAAAAAAAAAAAA4D8AAAAAAADgPwAAAAAAAOA/AAAAAAAA4D8AAAAAAADgPwAAAAAAAOA/AAAAAAAA4D8AAAAAAADgPwAAAAAAAOA/AAAAAAAA4D8CAAAAjAAAAAAAAAAAAAAAu+DjDP///wgAAAAAAAAAAAAAAAAAAAAAAAAAAAAAAAAAAAAAZAAAAAEAAABAAAAAAAAAAAAAAAAAAAAAAAAAAAAAAAAAAAAAAAAAAAAAAAAAAAAAAAAAAAAAAAAAAAAAAAAAAAAAAAAAAAAAAAAAAAAAAAAAAAAAAAAAAAAAAAAAAAAAFAAAADwAAAAAAAAAAAAAAAAAAAkUAAAAAQAAABQAAAAUAAAAFAAAAAEAAAAAAAAAZAAAAGQAAAAAAAAAZAAAAGQAAAAVAAAAYAAAAAAAAAAAAAAADwAAACADAAAAAAAAAAAAAAEAAACgMgAAVgcAAKr4//8BAAAAf39/AAEAAABkAAAAAAAAABQAAABAHwAAAAAAACYAAAAAAAAAwOD//wAAAAAmAAAAZAAAABYAAABMAAAAAAAAAAAAAAAEAAAAAAAAAAEAAACAgIAKAAAAACgAAAAoAAAAZAAAAGQAAAAAAAAAzMzMAAAAAABQAAAAUAAAAGQAAABkAAAAAAAAABcAAAAUAAAAAAAAAAAAAAD/fwAA/38AAAAAAAAJAAAABAAAAF8AYAAeAAAAaAAAAAAAAAAAAAAAAAAAAAAAAAAAAAAAECcAABAnAAAAAAAAAAAAAAAAAAAAAAAAAAAAAAAAAAAAAAAAAAAAABQAAAAAAAAAwMD/AAAAAABkAAAAMgAAAAAAAABkAAAAAAAAAH9/fwAKAAAAIgAAABgAAAAAAAAAAAAAAAAAAAAAAAAAAAAAAAAAAAAkAAAAJAAAAAAAAAAHAAAAAAAAAAAAAAAAAAAAAAAAAAAAAAAAAAAAf39/ACUAAABYAAAAAAAAAAAAAAAAAAAAAAAAAAAAAAAAAAAAAAAAAAAAAAAAAAAAAAAAAAAAAAA/AAAAAAAAAKCGAQAAAAAAAAAAAAAAAAAMAAAAAQAAAAAAAAAAAAAAAAAAAB8AAABUAAAAAAAABQAAAAEAAAAAAAAAAAAAAAAAAAAAAAAAAAAAAAAAAAAAAAAAAAAAAAJ/f38AAAAAA8zMzADAwP8Af39/AAAAAAAAAAAAAAAAAAAAAAAAAAAAIQAAABgAAAAUAAAAwAMAANgJAAARRwAAihIAAAAAAAAmAAAACAAAAAEAAAAAAAAA"/>
+                <pr:smNativeData xmlns:pr="smNativeData" xmlns="smNativeData" val="SMDATA_15_msZJaRMAAAAlAAAAZAAAAA0AAAAAkAAAAEgAAACQAAAASAAAAAAAAAAAAAAAAAAAAAEAAABQAAAAAAAAAAAA4D8AAAAAAADgPwAAAAAAAOA/AAAAAAAA4D8AAAAAAADgPwAAAAAAAOA/AAAAAAAA4D8AAAAAAADgPwAAAAAAAOA/AAAAAAAA4D8CAAAAjAAAAAAAAAAAAAAAu+DjDP///wgAAAAAAAAAAAAAAAAAAAAAAAAAAAAAAAAAAAAAZAAAAAEAAABAAAAAAAAAAAAAAAAAAAAAAAAAAAAAAAAAAAAAAAAAAAAAAAAAAAAAAAAAAAAAAAAAAAAAAAAAAAAAAAAAAAAAAAAAAAAAAAAAAAAAAAAAAAAAAAAAAAAAFAAAADwAAAAAAAAAAAAAAAAAAAkUAAAAAQAAABQAAAAUAAAAFAAAAAEAAAAAAAAAZAAAAGQAAAAAAAAAZAAAAGQAAAAVAAAAYAAAAAAAAAAAAAAADwAAACADAAAAAAAAAAAAAAEAAACgMgAAVgcAAKr4//8BAAAAf39/AAEAAABkAAAAAAAAABQAAABAHwAAAAAAACYAAAAAAAAAwOD//wAAAAAmAAAAZAAAABYAAABMAAAAAAAAAAAAAAAEAAAAAAAAAAEAAACAgIAKAAAAACgAAAAoAAAAZAAAAGQAAAAAAAAAzMzMAAAAAABQAAAAUAAAAGQAAABkAAAAAAAAABcAAAAUAAAAAAAAAAAAAAD/fwAA/38AAAAAAAAJAAAABAAAAF8AYAAeAAAAaAAAAAAAAAAAAAAAAAAAAAAAAAAAAAAAECcAABAnAAAAAAAAAAAAAAAAAAAAAAAAAAAAAAAAAAAAAAAAAAAAABQAAAAAAAAAwMD/AAAAAABkAAAAMgAAAAAAAABkAAAAAAAAAH9/fwAKAAAAIgAAABgAAAAAAAAAAAAAAAAAAAAAAAAAAAAAAAAAAAAkAAAAJAAAAAAAAAAHAAAAAAAAAAAAAAAAAAAAAAAAAAAAAAAAAAAAf39/ACUAAABYAAAAAAAAAAAAAAAAAAAAAAAAAAAAAAAAAAAAAAAAAAAAAAAAAAAAAAAAAAAAAAA/AAAAAAAAAKCGAQAAAAAAAAAAAAAAAAAMAAAAAQAAAAAAAAAAAAAAAAAAAB8AAABUAAAAAAAABQAAAAEAAAAAAAAAAAAAAAAAAAAAAAAAAAAAAAAAAAAAAAAAAAAAAAJ/f38AAAAAA8zMzADAwP8Af39/AAAAAAAAAAAAAAAAAAAAAAAAAAAAIQAAABgAAAAUAAAAwAMAANgJAAARRwAAihIAABAAAAAmAAAACAAAAAEAAAAAAAAA"/>
               </a:ext>
             </a:extLst>
           </p:cNvSpPr>
@@ -4071,7 +4059,7 @@
             <a:picLocks noChangeAspect="1"/>
             <a:extLst>
               <a:ext uri="smNativeData">
-                <pr:smNativeData xmlns:pr="smNativeData" xmlns="smNativeData" val="SMDATA_17_SSBGaRMAAAAlAAAAEQAAAC8BAAAAkAAAAEgAAACQAAAASAAAAAAAAAAAAAAAAAAAAAEAAABQAAAAAAAAAAAA4D8AAAAAAADgPwAAAAAAAOA/AAAAAAAA4D8AAAAAAADgPwAAAAAAAOA/AAAAAAAA4D8AAAAAAADgPwAAAAAAAOA/AAAAAAAA4D8CAAAAjAAAAAAAAAAAAAAAu+DjDP///wgAAAAAAAAAAAAAAAAAAAAAAAAAAAAAAAAAAAAAZAAAAAEAAABAAAAAAAAAAAAAAAAAAAAAAAAAAAAAAAAAAAAAAAAAAAAAAAAAAAAAAAAAAAAAAAAAAAAAAAAAAAAAAAAAAAAAAAAAAAAAAAAAAAAAAAAAAAAAAAAAAAAAFAAAADwAAAAAAAAAAAAAAAAAAAkUAAAAAQAAABQAAAAUAAAAFAAAAAEAAAAAAAAAZAAAAGQAAAAAAAAAZAAAAGQAAAAVAAAAYAAAAAAAAAAAAAAADwAAACADAAAAAAAAAAAAAAEAAACgMgAAVgcAAKr4//8BAAAAf39/AAEAAABkAAAAAAAAABQAAABAHwAAAAAAACYAAAAAAAAAwOD//wAAAAAmAAAAZAAAABYAAABMAAAAAAAAAAAAAAAEAAAAAAAAAAEAAACAgIAKAAAAACgAAAAoAAAAZAAAAGQAAAAAAAAAzMzMAAAAAABQAAAAUAAAAGQAAABkAAAAAAAAAAcAAAA4AAAAAAAAAAAAAAAAAAAA////AAAAAAAAAAAAAAAAAAAAAAAAAAAAAAAAAAAAAABkAAAAZAAAAAAAAAAjAAAABAAAAGQAAAAXAAAAFAAAAAAAAAAAAAAA/38AAP9/AAAAAAAACQAAAAQAAADXMc/nHgAAAGgAAAAAAAAAAAAAAAAAAAAAAAAAAAAAABAnAAAQJwAAAAAAAAAAAAAAAAAAAAAAAAAAAAAAAAAAAAAAAAAAAAAUAAAAAAAAAMDA/wAAAAAAZAAAADIAAAAAAAAAZAAAAAAAAAB/f38ACgAAACIAAAAYAAAAAAAAAAAAAAAAAAAAAAAAAAAAAAAAAAAAJAAAACQAAAAAAAAABwAAAAAAAAAAAAAAAAAAAAAAAAAAAAAAAAAAAH9/fwAlAAAAWAAAAAAAAAAAAAAAAAAAAAAAAAAAAAAAAAAAAAAAAAAAAAAAAAAAAAAAAAAAAAAAPwAAAAAAAACghgEAAAAAAAAAAAAAAAAADAAAAAEAAAAAAAAAAAAAAAAAAAAfAAAAVAAAALvg4wX///8BAAAAAAAAAAAAAAAAAAAAAAAAAAAAAAAAAAAAAAAAAAAAAAACf39/AICAgAPMzMwAwMD/AH9/fwAAAAAAAAAAAAAAAAD///8AAAAAACEAAAAYAAAAFAAAACITAAC4FgAAyi4AANgmAAAAAAAAJgAAAAgAAAD//////////w=="/>
+                <pr:smNativeData xmlns:pr="smNativeData" xmlns="smNativeData" val="SMDATA_17_msZJaRMAAAAlAAAAEQAAAC8BAAAAkAAAAEgAAACQAAAASAAAAAAAAAAAAAAAAAAAAAEAAABQAAAAAAAAAAAA4D8AAAAAAADgPwAAAAAAAOA/AAAAAAAA4D8AAAAAAADgPwAAAAAAAOA/AAAAAAAA4D8AAAAAAADgPwAAAAAAAOA/AAAAAAAA4D8CAAAAjAAAAAAAAAAAAAAAu+DjDP///wgAAAAAAAAAAAAAAAAAAAAAAAAAAAAAAAAAAAAAZAAAAAEAAABAAAAAAAAAAAAAAAAAAAAAAAAAAAAAAAAAAAAAAAAAAAAAAAAAAAAAAAAAAAAAAAAAAAAAAAAAAAAAAAAAAAAAAAAAAAAAAAAAAAAAAAAAAAAAAAAAAAAAFAAAADwAAAAAAAAAAAAAAAAAAAkUAAAAAQAAABQAAAAUAAAAFAAAAAEAAAAAAAAAZAAAAGQAAAAAAAAAZAAAAGQAAAAVAAAAYAAAAAAAAAAAAAAADwAAACADAAAAAAAAAAAAAAEAAACgMgAAVgcAAKr4//8BAAAAf39/AAEAAABkAAAAAAAAABQAAABAHwAAAAAAACYAAAAAAAAAwOD//wAAAAAmAAAAZAAAABYAAABMAAAAAAAAAAAAAAAEAAAAAAAAAAEAAACAgIAKAAAAACgAAAAoAAAAZAAAAGQAAAAAAAAAzMzMAAAAAABQAAAAUAAAAGQAAABkAAAAAAAAAAcAAAA4AAAAAAAAAAAAAAAAAAAA////AAAAAAAAAAAAAAAAAAAAAAAAAAAAAAAAAAAAAABkAAAAZAAAAAAAAAAjAAAABAAAAGQAAAAXAAAAFAAAAAAAAAAAAAAA/38AAP9/AAAAAAAACQAAAAQAAADXMc/nHgAAAGgAAAAAAAAAAAAAAAAAAAAAAAAAAAAAABAnAAAQJwAAAAAAAAAAAAAAAAAAAAAAAAAAAAAAAAAAAAAAAAAAAAAUAAAAAAAAAMDA/wAAAAAAZAAAADIAAAAAAAAAZAAAAAAAAAB/f38ACgAAACIAAAAYAAAAAAAAAAAAAAAAAAAAAAAAAAAAAAAAAAAAJAAAACQAAAAAAAAABwAAAAAAAAAAAAAAAAAAAAAAAAAAAAAAAAAAAH9/fwAlAAAAWAAAAAAAAAAAAAAAAAAAAAAAAAAAAAAAAAAAAAAAAAAAAAAAAAAAAAAAAAAAAAAAPwAAAAAAAACghgEAAAAAAAAAAAAAAAAADAAAAAEAAAAAAAAAAAAAAAAAAAAfAAAAVAAAALvg4wX///8BAAAAAAAAAAAAAAAAAAAAAAAAAAAAAAAAAAAAAAAAAAAAAAACf39/AICAgAPMzMwAwMD/AH9/fwAAAAAAAAAAAAAAAAD///8AAAAAACEAAAAYAAAAFAAAACITAAC4FgAAyi4AANgmAAAQAAAAJgAAAAgAAAD//////////w=="/>
               </a:ext>
             </a:extLst>
           </p:cNvPicPr>
@@ -4137,7 +4125,230 @@
             <a:spLocks noGrp="1" noChangeArrowheads="1"/>
             <a:extLst>
               <a:ext uri="smNativeData">
-                <pr:smNativeData xmlns:pr="smNativeData" xmlns="smNativeData" val="SMDATA_15_SSBGaRMAAAAlAAAAZAAAAA0AAAAAkAAAAEgAAACQAAAASAAAAAAAAAABAAAAAAAAAAEAAABQAAAAAAAAAAAA4D8AAAAAAADgPwAAAAAAAOA/AAAAAAAA4D8AAAAAAADgPwAAAAAAAOA/AAAAAAAA4D8AAAAAAADgPwAAAAAAAOA/AAAAAAAA4D8CAAAAjAAAAAAAAAAAAAAAu+DjDP///wgAAAAAAAAAAAAAAAAAAAAAAAAAAAAAAAAAAAAAZAAAAAEAAABAAAAAAAAAAAAAAAAAAAAAAAAAAAAAAAAAAAAAAAAAAAAAAAAAAAAAAAAAAAAAAAAAAAAAAAAAAAAAAAAAAAAAAAAAAAAAAAAAAAAAAAAAAAAAAAAAAAAAFAAAADwAAAAAAAAAAAAAAAAAAAkUAAAAAQAAABQAAAAUAAAAFAAAAAEAAAAAAAAAZAAAAGQAAAAAAAAAZAAAAGQAAAAVAAAAYAAAAAAAAAAAAAAADwAAACADAAAAAAAAAAAAAAEAAACgMgAAVgcAAKr4//8BAAAAf39/AAEAAABkAAAAAAAAABQAAABAHwAAAAAAACYAAAAAAAAAwOD//wAAAAAmAAAAZAAAABYAAABMAAAAAAAAAAAAAAAEAAAAAAAAAAEAAACAgIAKAAAAACgAAAAoAAAAZAAAAGQAAAAAAAAAzMzMAAAAAABQAAAAUAAAAGQAAABkAAAAAAAAABcAAAAUAAAAAAAAAAAAAAD/fwAA/38AAAAAAAAJAAAABAAAAF8AYAAeAAAAaAAAAAAAAAAAAAAAAAAAAAAAAAAAAAAAECcAABAnAAAAAAAAAAAAAAAAAAAAAAAAAAAAAAAAAAAAAAAAAAAAABQAAAAAAAAAwMD/AAAAAABkAAAAMgAAAAAAAABkAAAAAAAAAH9/fwAKAAAAIgAAABgAAAAAAAAAAAAAAAAAAAAAAAAAAAAAAAAAAAAkAAAAJAAAAAAAAAAHAAAAAAAAAAAAAAAAAAAAAAAAAAAAAAAAAAAAf39/ACUAAABYAAAAAAAAAAAAAAAAAAAAAAAAAAAAAAAAAAAAAAAAAAAAAAAAAAAAAAAAAAAAAAA/AAAAAAAAAKCGAQAAAAAAAAAAAAAAAAAMAAAAAQAAAAAAAAAAAAAAAAAAAB8AAABUAAAAAAAABQAAAAEAAAAAAAAAAAAAAAAAAAAAAAAAAAAAAAAAAAAAAAAAAAAAAAJ/f38AAAAAA8zMzADAwP8Af39/AAAAAAAAAAAAAAAAAAAAAAAAAAAAIQAAABgAAAAUAAAAwAMAALABAABARwAAuAgAAAAAAAAmAAAACAAAAAEAAAAAAAAA"/>
+                <pr:smNativeData xmlns:pr="smNativeData" xmlns="smNativeData" val="SMDATA_15_msZJaRMAAAAlAAAAZAAAAA0AAAAAkAAAAEgAAACQAAAASAAAAAAAAAABAAAAAAAAAAEAAABQAAAAAAAAAAAA4D8AAAAAAADgPwAAAAAAAOA/AAAAAAAA4D8AAAAAAADgPwAAAAAAAOA/AAAAAAAA4D8AAAAAAADgPwAAAAAAAOA/AAAAAAAA4D8CAAAAjAAAAAAAAAAAAAAAu+DjDP///wgAAAAAAAAAAAAAAAAAAAAAAAAAAAAAAAAAAAAAZAAAAAEAAABAAAAAAAAAAAAAAAAAAAAAAAAAAAAAAAAAAAAAAAAAAAAAAAAAAAAAAAAAAAAAAAAAAAAAAAAAAAAAAAAAAAAAAAAAAAAAAAAAAAAAAAAAAAAAAAAAAAAAFAAAADwAAAAAAAAAAAAAAAAAAAkUAAAAAQAAABQAAAAUAAAAFAAAAAEAAAAAAAAAZAAAAGQAAAAAAAAAZAAAAGQAAAAVAAAAYAAAAAAAAAAAAAAADwAAACADAAAAAAAAAAAAAAEAAACgMgAAVgcAAKr4//8BAAAAf39/AAEAAABkAAAAAAAAABQAAABAHwAAAAAAACYAAAAAAAAAwOD//wAAAAAmAAAAZAAAABYAAABMAAAAAAAAAAAAAAAEAAAAAAAAAAEAAACAgIAKAAAAACgAAAAoAAAAZAAAAGQAAAAAAAAAzMzMAAAAAABQAAAAUAAAAGQAAABkAAAAAAAAABcAAAAUAAAAAAAAAAAAAAD/fwAA/38AAAAAAAAJAAAABAAAAF8AYAAeAAAAaAAAAAAAAAAAAAAAAAAAAAAAAAAAAAAAECcAABAnAAAAAAAAAAAAAAAAAAAAAAAAAAAAAAAAAAAAAAAAAAAAABQAAAAAAAAAwMD/AAAAAABkAAAAMgAAAAAAAABkAAAAAAAAAH9/fwAKAAAAIgAAABgAAAAAAAAAAAAAAAAAAAAAAAAAAAAAAAAAAAAkAAAAJAAAAAAAAAAHAAAAAAAAAAAAAAAAAAAAAAAAAAAAAAAAAAAAf39/ACUAAABYAAAAAAAAAAAAAAAAAAAAAAAAAAAAAAAAAAAAAAAAAAAAAAAAAAAAAAAAAAAAAAA/AAAAAAAAAKCGAQAAAAAAAAAAAAAAAAAMAAAAAQAAAAAAAAAAAAAAAAAAAB8AAABUAAAAAAAABQAAAAEAAAAAAAAAAAAAAAAAAAAAAAAAAAAAAAAAAAAAAAAAAAAAAAJ/f38AAAAAA8zMzADAwP8Af39/AAAAAAAAAAAAAAAAAAAAAAAAAAAAIQAAABgAAAAUAAAAwAMAALABAABARwAAuAgAABAAAAAmAAAACAAAAAAAAAAAAAAA"/>
+              </a:ext>
+            </a:extLst>
+          </p:cNvSpPr>
+          <p:nvPr>
+            <p:ph type="title"/>
+          </p:nvPr>
+        </p:nvSpPr>
+        <p:spPr/>
+        <p:txBody>
+          <a:bodyPr/>
+          <a:lstStyle/>
+          <a:p>
+            <a:pPr/>
+            <a:r>
+              <a:t>Fully connected layers at end</a:t>
+            </a:r>
+          </a:p>
+          <a:p>
+            <a:pPr/>
+            <a:r>
+              <a:t>for classification or regression tasks</a:t>
+            </a:r>
+          </a:p>
+        </p:txBody>
+      </p:sp>
+      <p:sp>
+        <p:nvSpPr>
+          <p:cNvPr id="3" name="SlideText1"/>
+          <p:cNvSpPr>
+            <a:spLocks noGrp="1" noChangeArrowheads="1"/>
+            <a:extLst>
+              <a:ext uri="smNativeData">
+                <pr:smNativeData xmlns:pr="smNativeData" xmlns="smNativeData" val="SMDATA_15_msZJaRMAAAAlAAAAZAAAAA0AAAAAkAAAAEgAAACQAAAASAAAAAAAAAAAAAAAAAAAAAEAAABQAAAAAAAAAAAA4D8AAAAAAADgPwAAAAAAAOA/AAAAAAAA4D8AAAAAAADgPwAAAAAAAOA/AAAAAAAA4D8AAAAAAADgPwAAAAAAAOA/AAAAAAAA4D8CAAAAjAAAAAAAAAAAAAAAu+DjDP///wgAAAAAAAAAAAAAAAAAAAAAAAAAAAAAAAAAAAAAZAAAAAEAAABAAAAAAAAAAAAAAAAAAAAAAAAAAAAAAAAAAAAAAAAAAAAAAAAAAAAAAAAAAAAAAAAAAAAAAAAAAAAAAAAAAAAAAAAAAAAAAAAAAAAAAAAAAAAAAAAAAAAAFAAAADwAAAAAAAAAAAAAAAAAAAkUAAAAAQAAABQAAAAUAAAAFAAAAAEAAAAAAAAAZAAAAGQAAAAAAAAAZAAAAGQAAAAVAAAAYAAAAAAAAAAAAAAADwAAACADAAAAAAAAAAAAAAEAAACgMgAAVgcAAKr4//8BAAAAf39/AAEAAABkAAAAAAAAABQAAABAHwAAAAAAACYAAAAAAAAAwOD//wAAAAAmAAAAZAAAABYAAABMAAAAAAAAAAAAAAAEAAAAAAAAAAEAAACAgIAKAAAAACgAAAAoAAAAZAAAAGQAAAAAAAAAzMzMAAAAAABQAAAAUAAAAGQAAABkAAAAAAAAABcAAAAUAAAAAAAAAAAAAAD/fwAA/38AAAAAAAAJAAAABAAAAAAAAAAeAAAAaAAAAAAAAAAAAAAAAAAAAAAAAAAAAAAAECcAABAnAAAAAAAAAAAAAAAAAAAAAAAAAAAAAAAAAAAAAAAAAAAAABQAAAAAAAAAwMD/AAAAAABkAAAAMgAAAAAAAABkAAAAAAAAAH9/fwAKAAAAIgAAABgAAAAAAAAAAAAAAAAAAAAAAAAAAAAAAAAAAAAkAAAAJAAAAAAAAAAHAAAAAAAAAAAAAAAAAAAAAAAAAAAAAAAAAAAAf39/ACUAAABYAAAAAAAAAAAAAAAAAAAAAAAAAAAAAAAAAAAAAAAAAAAAAAAAAAAAAAAAAAAAAAA/AAAAAAAAAKCGAQAAAAAAAAAAAAAAAAAMAAAAAQAAAAAAAAAAAAAAAAAAAB8AAABUAAAAAAAABQAAAAEAAAAAAAAAAAAAAAAAAAAAAAAAAAAAAAAAAAAAAAAAAAAAAAJ/f38AAAAAA8zMzADAwP8Af39/AAAAAAAAAAAAAAAAAAAAAAAAAAAAIQAAABgAAAAUAAAAwAMAANgJAABARwAAsCUAABAAAAAmAAAACAAAAAAAAAAAAAAA"/>
+              </a:ext>
+            </a:extLst>
+          </p:cNvSpPr>
+          <p:nvPr>
+            <p:ph type="body" idx="1"/>
+          </p:nvPr>
+        </p:nvSpPr>
+        <p:spPr/>
+        <p:txBody>
+          <a:bodyPr/>
+          <a:lstStyle/>
+          <a:p>
+            <a:pPr/>
+            <a:r>
+              <a:t>Can be multiple fully connected layers</a:t>
+            </a:r>
+          </a:p>
+          <a:p>
+            <a:pPr/>
+            <a:r>
+              <a:t>Combines the previous convolutional layers to bring everything together to give final classification</a:t>
+            </a:r>
+          </a:p>
+        </p:txBody>
+      </p:sp>
+    </p:spTree>
+  </p:cSld>
+  <p:clrMapOvr>
+    <a:masterClrMapping/>
+  </p:clrMapOvr>
+  <p:timing>
+    <p:tnLst>
+      <p:par>
+        <p:cTn id="1" dur="indefinite" restart="never" nodeType="tmRoot"/>
+      </p:par>
+    </p:tnLst>
+  </p:timing>
+</p:sld>
+</file>
+
+<file path=ppt/slides/slide13.xml><?xml version="1.0" encoding="utf-8"?>
+<p:sld xmlns:p="http://schemas.openxmlformats.org/presentationml/2006/main" xmlns:mc="http://schemas.openxmlformats.org/markup-compatibility/2006" xmlns:p14="http://schemas.microsoft.com/office/powerpoint/2010/main" xmlns:p15="http://schemas.microsoft.com/office/powerpoint/2012/main" xmlns:r="http://schemas.openxmlformats.org/officeDocument/2006/relationships" xmlns:a="http://schemas.openxmlformats.org/drawingml/2006/main" mc:Ignorable="p14">
+  <p:cSld>
+    <p:spTree>
+      <p:nvGrpSpPr>
+        <p:cNvPr id="1" name=""/>
+        <p:cNvGrpSpPr/>
+        <p:nvPr/>
+      </p:nvGrpSpPr>
+      <p:grpSpPr>
+        <a:xfrm>
+          <a:off x="0" y="0"/>
+          <a:ext cx="0" cy="0"/>
+          <a:chOff x="0" y="0"/>
+          <a:chExt cx="0" cy="0"/>
+        </a:xfrm>
+      </p:grpSpPr>
+      <p:sp>
+        <p:nvSpPr>
+          <p:cNvPr id="2" name="SlideTitle1"/>
+          <p:cNvSpPr>
+            <a:spLocks noGrp="1" noChangeArrowheads="1"/>
+            <a:extLst>
+              <a:ext uri="smNativeData">
+                <pr:smNativeData xmlns:pr="smNativeData" xmlns="smNativeData" val="SMDATA_15_msZJaRMAAAAlAAAAZAAAAA0AAAAAkAAAAEgAAACQAAAASAAAAAAAAAABAAAAAAAAAAEAAABQAAAAAAAAAAAA4D8AAAAAAADgPwAAAAAAAOA/AAAAAAAA4D8AAAAAAADgPwAAAAAAAOA/AAAAAAAA4D8AAAAAAADgPwAAAAAAAOA/AAAAAAAA4D8CAAAAjAAAAAAAAAAAAAAAu+DjDP///wgAAAAAAAAAAAAAAAAAAAAAAAAAAAAAAAAAAAAAZAAAAAEAAABAAAAAAAAAAAAAAAAAAAAAAAAAAAAAAAAAAAAAAAAAAAAAAAAAAAAAAAAAAAAAAAAAAAAAAAAAAAAAAAAAAAAAAAAAAAAAAAAAAAAAAAAAAAAAAAAAAAAAFAAAADwAAAAAAAAAAAAAAAAAAAkUAAAAAQAAABQAAAAUAAAAFAAAAAEAAAAAAAAAZAAAAGQAAAAAAAAAZAAAAGQAAAAVAAAAYAAAAAAAAAAAAAAADwAAACADAAAAAAAAAAAAAAEAAACgMgAAVgcAAKr4//8BAAAAf39/AAEAAABkAAAAAAAAABQAAABAHwAAAAAAACYAAAAAAAAAwOD//wAAAAAmAAAAZAAAABYAAABMAAAAAAAAAAAAAAAEAAAAAAAAAAEAAACAgIAKAAAAACgAAAAoAAAAZAAAAGQAAAAAAAAAzMzMAAAAAABQAAAAUAAAAGQAAABkAAAAAAAAABcAAAAUAAAAAAAAAAAAAAD/fwAA/38AAAAAAAAJAAAABAAAAF8AYAAeAAAAaAAAAAAAAAAAAAAAAAAAAAAAAAAAAAAAECcAABAnAAAAAAAAAAAAAAAAAAAAAAAAAAAAAAAAAAAAAAAAAAAAABQAAAAAAAAAwMD/AAAAAABkAAAAMgAAAAAAAABkAAAAAAAAAH9/fwAKAAAAIgAAABgAAAAAAAAAAAAAAAAAAAAAAAAAAAAAAAAAAAAkAAAAJAAAAAAAAAAHAAAAAAAAAAAAAAAAAAAAAAAAAAAAAAAAAAAAf39/ACUAAABYAAAAAAAAAAAAAAAAAAAAAAAAAAAAAAAAAAAAAAAAAAAAAAAAAAAAAAAAAAAAAAA/AAAAAAAAAKCGAQAAAAAAAAAAAAAAAAAMAAAAAQAAAAAAAAAAAAAAAAAAAB8AAABUAAAAAAAABQAAAAEAAAAAAAAAAAAAAAAAAAAAAAAAAAAAAAAAAAAAAAAAAAAAAAJ/f38AAAAAA8zMzADAwP8Af39/AAAAAAAAAAAAAAAAAAAAAAAAAAAAIQAAABgAAAAUAAAAwAMAALABAABARwAAuAgAABAAAAAmAAAACAAAAAAAAAAAAAAA"/>
+              </a:ext>
+            </a:extLst>
+          </p:cNvSpPr>
+          <p:nvPr>
+            <p:ph type="title"/>
+          </p:nvPr>
+        </p:nvSpPr>
+        <p:spPr/>
+        <p:txBody>
+          <a:bodyPr/>
+          <a:lstStyle/>
+          <a:p>
+            <a:pPr/>
+            <a:r>
+              <a:t>Object Detection models</a:t>
+            </a:r>
+          </a:p>
+          <a:p>
+            <a:pPr/>
+            <a:r>
+              <a:t>recognize multiple objects in same image</a:t>
+            </a:r>
+          </a:p>
+        </p:txBody>
+      </p:sp>
+      <p:sp>
+        <p:nvSpPr>
+          <p:cNvPr id="3" name="SlideText1"/>
+          <p:cNvSpPr>
+            <a:spLocks noGrp="1" noChangeArrowheads="1"/>
+            <a:extLst>
+              <a:ext uri="smNativeData">
+                <pr:smNativeData xmlns:pr="smNativeData" xmlns="smNativeData" val="SMDATA_15_msZJaRMAAAAlAAAAZAAAAA0AAAAAkAAAAEgAAACQAAAASAAAAAAAAAAAAAAAAAAAAAEAAABQAAAAAAAAAAAA4D8AAAAAAADgPwAAAAAAAOA/AAAAAAAA4D8AAAAAAADgPwAAAAAAAOA/AAAAAAAA4D8AAAAAAADgPwAAAAAAAOA/AAAAAAAA4D8CAAAAjAAAAAAAAAAAAAAAu+DjDP///wgAAAAAAAAAAAAAAAAAAAAAAAAAAAAAAAAAAAAAZAAAAAEAAABAAAAAAAAAAAAAAAAAAAAAAAAAAAAAAAAAAAAAAAAAAAAAAAAAAAAAAAAAAAAAAAAAAAAAAAAAAAAAAAAAAAAAAAAAAAAAAAAAAAAAAAAAAAAAAAAAAAAAFAAAADwAAAAAAAAAAAAAAAAAAAkUAAAAAQAAABQAAAAUAAAAFAAAAAEAAAAAAAAAZAAAAGQAAAAAAAAAZAAAAGQAAAAVAAAAYAAAAAAAAAAAAAAADwAAACADAAAAAAAAAAAAAAEAAACgMgAAVgcAAKr4//8BAAAAf39/AAEAAABkAAAAAAAAABQAAABAHwAAAAAAACYAAAAAAAAAwOD//wAAAAAmAAAAZAAAABYAAABMAAAAAAAAAAAAAAAEAAAAAAAAAAEAAACAgIAKAAAAACgAAAAoAAAAZAAAAGQAAAAAAAAAzMzMAAAAAABQAAAAUAAAAGQAAABkAAAAAAAAABcAAAAUAAAAAAAAAAAAAAD/fwAA/38AAAAAAAAJAAAABAAAAF8AYAAeAAAAaAAAAAAAAAAAAAAAAAAAAAAAAAAAAAAAECcAABAnAAAAAAAAAAAAAAAAAAAAAAAAAAAAAAAAAAAAAAAAAAAAABQAAAAAAAAAwMD/AAAAAABkAAAAMgAAAAAAAABkAAAAAAAAAH9/fwAKAAAAIgAAABgAAAAAAAAAAAAAAAAAAAAAAAAAAAAAAAAAAAAkAAAAJAAAAAAAAAAHAAAAAAAAAAAAAAAAAAAAAAAAAAAAAAAAAAAAf39/ACUAAABYAAAAAAAAAAAAAAAAAAAAAAAAAAAAAAAAAAAAAAAAAAAAAAAAAAAAAAAAAAAAAAA/AAAAAAAAAKCGAQAAAAAAAAAAAAAAAAAMAAAAAQAAAAAAAAAAAAAAAAAAAB8AAABUAAAAAAAABQAAAAEAAAAAAAAAAAAAAAAAAAAAAAAAAAAAAAAAAAAAAAAAAAAAAAJ/f38AAAAAA8zMzADAwP8Af39/AAAAAAAAAAAAAAAAAAAAAAAAAAAAIQAAABgAAAAUAAAAwAMAANgJAABARwAAsCUAABAAAAAmAAAACAAAAAAAAAAAAAAA"/>
+              </a:ext>
+            </a:extLst>
+          </p:cNvSpPr>
+          <p:nvPr>
+            <p:ph type="body" idx="1"/>
+          </p:nvPr>
+        </p:nvSpPr>
+        <p:spPr/>
+        <p:txBody>
+          <a:bodyPr/>
+          <a:lstStyle/>
+          <a:p>
+            <a:pPr/>
+            <a:r>
+              <a:t>YOLO - You Only Look Once - single stage/pass</a:t>
+            </a:r>
+          </a:p>
+          <a:p>
+            <a:pPr/>
+            <a:r>
+              <a:t>Faster R-CNN - multiple stage</a:t>
+            </a:r>
+          </a:p>
+          <a:p>
+            <a:pPr lvl="2"/>
+            <a:r>
+              <a:t>RPN (Region Proposal Network) first, then classifies from there.</a:t>
+            </a:r>
+          </a:p>
+          <a:p>
+            <a:pPr lvl="2"/>
+            <a:r>
+              <a:t>Slower but more accurate especially for complex scenes &amp; small overlapping</a:t>
+            </a:r>
+          </a:p>
+          <a:p>
+            <a:pPr/>
+            <a:r>
+              <a:t>DETR - Detection Transformer</a:t>
+            </a:r>
+          </a:p>
+          <a:p>
+            <a:pPr lvl="2"/>
+            <a:r>
+              <a:t>Requires a lot of training data</a:t>
+            </a:r>
+          </a:p>
+          <a:p>
+            <a:pPr/>
+          </a:p>
+        </p:txBody>
+      </p:sp>
+    </p:spTree>
+  </p:cSld>
+  <p:clrMapOvr>
+    <a:masterClrMapping/>
+  </p:clrMapOvr>
+  <p:timing>
+    <p:tnLst>
+      <p:par>
+        <p:cTn id="1" dur="indefinite" restart="never" nodeType="tmRoot"/>
+      </p:par>
+    </p:tnLst>
+  </p:timing>
+</p:sld>
+</file>
+
+<file path=ppt/slides/slide14.xml><?xml version="1.0" encoding="utf-8"?>
+<p:sld xmlns:p="http://schemas.openxmlformats.org/presentationml/2006/main" xmlns:mc="http://schemas.openxmlformats.org/markup-compatibility/2006" xmlns:p14="http://schemas.microsoft.com/office/powerpoint/2010/main" xmlns:p15="http://schemas.microsoft.com/office/powerpoint/2012/main" xmlns:r="http://schemas.openxmlformats.org/officeDocument/2006/relationships" xmlns:a="http://schemas.openxmlformats.org/drawingml/2006/main" mc:Ignorable="p14">
+  <p:cSld>
+    <p:spTree>
+      <p:nvGrpSpPr>
+        <p:cNvPr id="1" name=""/>
+        <p:cNvGrpSpPr/>
+        <p:nvPr/>
+      </p:nvGrpSpPr>
+      <p:grpSpPr>
+        <a:xfrm>
+          <a:off x="0" y="0"/>
+          <a:ext cx="0" cy="0"/>
+          <a:chOff x="0" y="0"/>
+          <a:chExt cx="0" cy="0"/>
+        </a:xfrm>
+      </p:grpSpPr>
+      <p:sp>
+        <p:nvSpPr>
+          <p:cNvPr id="2" name="SlideTitle1"/>
+          <p:cNvSpPr>
+            <a:spLocks noGrp="1" noChangeArrowheads="1"/>
+            <a:extLst>
+              <a:ext uri="smNativeData">
+                <pr:smNativeData xmlns:pr="smNativeData" xmlns="smNativeData" val="SMDATA_15_msZJaRMAAAAlAAAAZAAAAA0AAAAAkAAAAEgAAACQAAAASAAAAAAAAAABAAAAAAAAAAEAAABQAAAAAAAAAAAA4D8AAAAAAADgPwAAAAAAAOA/AAAAAAAA4D8AAAAAAADgPwAAAAAAAOA/AAAAAAAA4D8AAAAAAADgPwAAAAAAAOA/AAAAAAAA4D8CAAAAjAAAAAAAAAAAAAAAu+DjDP///wgAAAAAAAAAAAAAAAAAAAAAAAAAAAAAAAAAAAAAZAAAAAEAAABAAAAAAAAAAAAAAAAAAAAAAAAAAAAAAAAAAAAAAAAAAAAAAAAAAAAAAAAAAAAAAAAAAAAAAAAAAAAAAAAAAAAAAAAAAAAAAAAAAAAAAAAAAAAAAAAAAAAAFAAAADwAAAAAAAAAAAAAAAAAAAkUAAAAAQAAABQAAAAUAAAAFAAAAAEAAAAAAAAAZAAAAGQAAAAAAAAAZAAAAGQAAAAVAAAAYAAAAAAAAAAAAAAADwAAACADAAAAAAAAAAAAAAEAAACgMgAAVgcAAKr4//8BAAAAf39/AAEAAABkAAAAAAAAABQAAABAHwAAAAAAACYAAAAAAAAAwOD//wAAAAAmAAAAZAAAABYAAABMAAAAAAAAAAAAAAAEAAAAAAAAAAEAAACAgIAKAAAAACgAAAAoAAAAZAAAAGQAAAAAAAAAzMzMAAAAAABQAAAAUAAAAGQAAABkAAAAAAAAABcAAAAUAAAAAAAAAAAAAAD/fwAA/38AAAAAAAAJAAAABAAAAAAAAAAeAAAAaAAAAAAAAAAAAAAAAAAAAAAAAAAAAAAAECcAABAnAAAAAAAAAAAAAAAAAAAAAAAAAAAAAAAAAAAAAAAAAAAAABQAAAAAAAAAwMD/AAAAAABkAAAAMgAAAAAAAABkAAAAAAAAAH9/fwAKAAAAIgAAABgAAAAAAAAAAAAAAAAAAAAAAAAAAAAAAAAAAAAkAAAAJAAAAAAAAAAHAAAAAAAAAAAAAAAAAAAAAAAAAAAAAAAAAAAAf39/ACUAAABYAAAAAAAAAAAAAAAAAAAAAAAAAAAAAAAAAAAAAAAAAAAAAAAAAAAAAAAAAAAAAAA/AAAAAAAAAKCGAQAAAAAAAAAAAAAAAAAMAAAAAQAAAAAAAAAAAAAAAAAAAB8AAABUAAAAAAAABQAAAAEAAAAAAAAAAAAAAAAAAAAAAAAAAAAAAAAAAAAAAAAAAAAAAAJ/f38AAAAAA8zMzADAwP8Af39/AAAAAAAAAAAAAAAAAAAAAAAAAAAAIQAAABgAAAAUAAAAwAMAALABAABARwAAuAgAAAAAAAAmAAAACAAAAAEAAAAAAAAA"/>
               </a:ext>
             </a:extLst>
           </p:cNvSpPr>
@@ -4157,13 +4368,13 @@
           <a:p>
             <a:pPr/>
             <a:r>
-              <a:t>Fully connected layers at end</a:t>
-            </a:r>
-          </a:p>
-          <a:p>
-            <a:pPr/>
-            <a:r>
-              <a:t>for classification or regression tasks</a:t>
+              <a:t>Image Recognition Models that only </a:t>
+            </a:r>
+          </a:p>
+          <a:p>
+            <a:pPr/>
+            <a:r>
+              <a:t>recognize the entire image at once</a:t>
             </a:r>
           </a:p>
         </p:txBody>
@@ -4175,7 +4386,7 @@
             <a:spLocks noGrp="1" noChangeArrowheads="1"/>
             <a:extLst>
               <a:ext uri="smNativeData">
-                <pr:smNativeData xmlns:pr="smNativeData" xmlns="smNativeData" val="SMDATA_15_SSBGaRMAAAAlAAAAZAAAAA0AAAAAkAAAAEgAAACQAAAASAAAAAAAAAAAAAAAAAAAAAEAAABQAAAAAAAAAAAA4D8AAAAAAADgPwAAAAAAAOA/AAAAAAAA4D8AAAAAAADgPwAAAAAAAOA/AAAAAAAA4D8AAAAAAADgPwAAAAAAAOA/AAAAAAAA4D8CAAAAjAAAAAAAAAAAAAAAu+DjDP///wgAAAAAAAAAAAAAAAAAAAAAAAAAAAAAAAAAAAAAZAAAAAEAAABAAAAAAAAAAAAAAAAAAAAAAAAAAAAAAAAAAAAAAAAAAAAAAAAAAAAAAAAAAAAAAAAAAAAAAAAAAAAAAAAAAAAAAAAAAAAAAAAAAAAAAAAAAAAAAAAAAAAAFAAAADwAAAAAAAAAAAAAAAAAAAkUAAAAAQAAABQAAAAUAAAAFAAAAAEAAAAAAAAAZAAAAGQAAAAAAAAAZAAAAGQAAAAVAAAAYAAAAAAAAAAAAAAADwAAACADAAAAAAAAAAAAAAEAAACgMgAAVgcAAKr4//8BAAAAf39/AAEAAABkAAAAAAAAABQAAABAHwAAAAAAACYAAAAAAAAAwOD//wAAAAAmAAAAZAAAABYAAABMAAAAAAAAAAAAAAAEAAAAAAAAAAEAAACAgIAKAAAAACgAAAAoAAAAZAAAAGQAAAAAAAAAzMzMAAAAAABQAAAAUAAAAGQAAABkAAAAAAAAABcAAAAUAAAAAAAAAAAAAAD/fwAA/38AAAAAAAAJAAAABAAAAAAAAAAeAAAAaAAAAAAAAAAAAAAAAAAAAAAAAAAAAAAAECcAABAnAAAAAAAAAAAAAAAAAAAAAAAAAAAAAAAAAAAAAAAAAAAAABQAAAAAAAAAwMD/AAAAAABkAAAAMgAAAAAAAABkAAAAAAAAAH9/fwAKAAAAIgAAABgAAAAAAAAAAAAAAAAAAAAAAAAAAAAAAAAAAAAkAAAAJAAAAAAAAAAHAAAAAAAAAAAAAAAAAAAAAAAAAAAAAAAAAAAAf39/ACUAAABYAAAAAAAAAAAAAAAAAAAAAAAAAAAAAAAAAAAAAAAAAAAAAAAAAAAAAAAAAAAAAAA/AAAAAAAAAKCGAQAAAAAAAAAAAAAAAAAMAAAAAQAAAAAAAAAAAAAAAAAAAB8AAABUAAAAAAAABQAAAAEAAAAAAAAAAAAAAAAAAAAAAAAAAAAAAAAAAAAAAAAAAAAAAAJ/f38AAAAAA8zMzADAwP8Af39/AAAAAAAAAAAAAAAAAAAAAAAAAAAAIQAAABgAAAAUAAAAwAMAANgJAABARwAAsCUAAAAAAAAmAAAACAAAAAEAAAAAAAAA"/>
+                <pr:smNativeData xmlns:pr="smNativeData" xmlns="smNativeData" val="SMDATA_15_msZJaRMAAAAlAAAAZAAAAA0AAAAAkAAAAEgAAACQAAAASAAAAAAAAAAAAAAAAAAAAAEAAABQAAAAAAAAAAAA4D8AAAAAAADgPwAAAAAAAOA/AAAAAAAA4D8AAAAAAADgPwAAAAAAAOA/AAAAAAAA4D8AAAAAAADgPwAAAAAAAOA/AAAAAAAA4D8CAAAAjAAAAAAAAAAAAAAAu+DjDP///wgAAAAAAAAAAAAAAAAAAAAAAAAAAAAAAAAAAAAAZAAAAAEAAABAAAAAAAAAAAAAAAAAAAAAAAAAAAAAAAAAAAAAAAAAAAAAAAAAAAAAAAAAAAAAAAAAAAAAAAAAAAAAAAAAAAAAAAAAAAAAAAAAAAAAAAAAAAAAAAAAAAAAFAAAADwAAAAAAAAAAAAAAAAAAAkUAAAAAQAAABQAAAAUAAAAFAAAAAEAAAAAAAAAZAAAAGQAAAAAAAAAZAAAAGQAAAAVAAAAYAAAAAAAAAAAAAAADwAAACADAAAAAAAAAAAAAAEAAACgMgAAVgcAAKr4//8BAAAAf39/AAEAAABkAAAAAAAAABQAAABAHwAAAAAAACYAAAAAAAAAwOD//wAAAAAmAAAAZAAAABYAAABMAAAAAAAAAAAAAAAEAAAAAAAAAAEAAACAgIAKAAAAACgAAAAoAAAAZAAAAGQAAAAAAAAAzMzMAAAAAABQAAAAUAAAAGQAAABkAAAAAAAAABcAAAAUAAAAAAAAAAAAAAD/fwAA/38AAAAAAAAJAAAABAAAAAAAAAAeAAAAaAAAAAAAAAAAAAAAAAAAAAAAAAAAAAAAECcAABAnAAAAAAAAAAAAAAAAAAAAAAAAAAAAAAAAAAAAAAAAAAAAABQAAAAAAAAAwMD/AAAAAABkAAAAMgAAAAAAAABkAAAAAAAAAH9/fwAKAAAAIgAAABgAAAAAAAAAAAAAAAAAAAAAAAAAAAAAAAAAAAAkAAAAJAAAAAAAAAAHAAAAAAAAAAAAAAAAAAAAAAAAAAAAAAAAAAAAf39/ACUAAABYAAAAAAAAAAAAAAAAAAAAAAAAAAAAAAAAAAAAAAAAAAAAAAAAAAAAAAAAAAAAAAA/AAAAAAAAAKCGAQAAAAAAAAAAAAAAAAAMAAAAAQAAAAAAAAAAAAAAAAAAAB8AAABUAAAAAAAABQAAAAEAAAAAAAAAAAAAAAAAAAAAAAAAAAAAAAAAAAAAAAAAAAAAAAJ/f38AAAAAA8zMzADAwP8Af39/AAAAAAAAAAAAAAAAAAAAAAAAAAAAIQAAABgAAAAUAAAAwAMAANgJAABARwAAsCUAAAAAAAAmAAAACAAAAAEAAAAAAAAA"/>
               </a:ext>
             </a:extLst>
           </p:cNvSpPr>
@@ -4195,14 +4406,47 @@
           <a:p>
             <a:pPr/>
             <a:r>
-              <a:t>Can be multiple fully connected layers</a:t>
-            </a:r>
-          </a:p>
-          <a:p>
-            <a:pPr/>
-            <a:r>
-              <a:t>Combines the previous convolutional layers to bring everything together to give final classification</a:t>
-            </a:r>
+              <a:t>ResNet</a:t>
+            </a:r>
+          </a:p>
+          <a:p>
+            <a:pPr/>
+            <a:r>
+              <a:t>MobileNet - Made for Mobile devices</a:t>
+            </a:r>
+          </a:p>
+          <a:p>
+            <a:pPr/>
+            <a:r>
+              <a:t>EfficientNet v2 - has variants for different needs</a:t>
+            </a:r>
+          </a:p>
+          <a:p>
+            <a:pPr/>
+            <a:r>
+              <a:t>Slower but could be optimized:</a:t>
+            </a:r>
+          </a:p>
+          <a:p>
+            <a:pPr lvl="1"/>
+            <a:r>
+              <a:t>Swin Transformer</a:t>
+            </a:r>
+          </a:p>
+          <a:p>
+            <a:pPr lvl="1"/>
+            <a:r>
+              <a:t>ConvNeXt - modern CNN better than transformers</a:t>
+            </a:r>
+          </a:p>
+          <a:p>
+            <a:pPr lvl="1"/>
+            <a:r>
+              <a:t>CoCa / PaLI / CoAtNet - state-of-the-art / best accuracy</a:t>
+            </a:r>
+          </a:p>
+          <a:p>
+            <a:pPr/>
           </a:p>
         </p:txBody>
       </p:sp>
@@ -4245,7 +4489,7 @@
             <a:spLocks noGrp="1" noChangeArrowheads="1"/>
             <a:extLst>
               <a:ext uri="smNativeData">
-                <pr:smNativeData xmlns:pr="smNativeData" xmlns="smNativeData" val="SMDATA_15_SSBGaRMAAAAlAAAAZAAAAA0AAAAAkAAAAEgAAACQAAAASAAAAAAAAAABAAAAAAAAAAEAAABQAAAAAAAAAAAA4D8AAAAAAADgPwAAAAAAAOA/AAAAAAAA4D8AAAAAAADgPwAAAAAAAOA/AAAAAAAA4D8AAAAAAADgPwAAAAAAAOA/AAAAAAAA4D8CAAAAjAAAAAAAAAAAAAAAu+DjDP///wgAAAAAAAAAAAAAAAAAAAAAAAAAAAAAAAAAAAAAZAAAAAEAAABAAAAAAAAAAAAAAAAAAAAAAAAAAAAAAAAAAAAAAAAAAAAAAAAAAAAAAAAAAAAAAAAAAAAAAAAAAAAAAAAAAAAAAAAAAAAAAAAAAAAAAAAAAAAAAAAAAAAAFAAAADwAAAAAAAAAAAAAAAAAAAkUAAAAAQAAABQAAAAUAAAAFAAAAAEAAAAAAAAAZAAAAGQAAAAAAAAAZAAAAGQAAAAVAAAAYAAAAAAAAAAAAAAADwAAACADAAAAAAAAAAAAAAEAAACgMgAAVgcAAKr4//8BAAAAf39/AAEAAABkAAAAAAAAABQAAABAHwAAAAAAACYAAAAAAAAAwOD//wAAAAAmAAAAZAAAABYAAABMAAAAAAAAAAAAAAAEAAAAAAAAAAEAAACAgIAKAAAAACgAAAAoAAAAZAAAAGQAAAAAAAAAzMzMAAAAAABQAAAAUAAAAGQAAABkAAAAAAAAABcAAAAUAAAAAAAAAAAAAAD/fwAA/38AAAAAAAAJAAAABAAAAF8AYAAeAAAAaAAAAAAAAAAAAAAAAAAAAAAAAAAAAAAAECcAABAnAAAAAAAAAAAAAAAAAAAAAAAAAAAAAAAAAAAAAAAAAAAAABQAAAAAAAAAwMD/AAAAAABkAAAAMgAAAAAAAABkAAAAAAAAAH9/fwAKAAAAIgAAABgAAAAAAAAAAAAAAAAAAAAAAAAAAAAAAAAAAAAkAAAAJAAAAAAAAAAHAAAAAAAAAAAAAAAAAAAAAAAAAAAAAAAAAAAAf39/ACUAAABYAAAAAAAAAAAAAAAAAAAAAAAAAAAAAAAAAAAAAAAAAAAAAAAAAAAAAAAAAAAAAAA/AAAAAAAAAKCGAQAAAAAAAAAAAAAAAAAMAAAAAQAAAAAAAAAAAAAAAAAAAB8AAABUAAAAAAAABQAAAAEAAAAAAAAAAAAAAAAAAAAAAAAAAAAAAAAAAAAAAAAAAAAAAAJ/f38AAAAAA8zMzADAwP8Af39/AAAAAAAAAAAAAAAAAAAAAAAAAAAAIQAAABgAAAAUAAAAwAMAALABAABARwAAuAgAABAAAAAmAAAACAAAAAAAAAAAAAAA"/>
+                <pr:smNativeData xmlns:pr="smNativeData" xmlns="smNativeData" val="SMDATA_15_msZJaRMAAAAlAAAAZAAAAA0AAAAAkAAAAEgAAACQAAAASAAAAAAAAAABAAAAAAAAAAEAAABQAAAAAAAAAAAA4D8AAAAAAADgPwAAAAAAAOA/AAAAAAAA4D8AAAAAAADgPwAAAAAAAOA/AAAAAAAA4D8AAAAAAADgPwAAAAAAAOA/AAAAAAAA4D8CAAAAjAAAAAAAAAAAAAAAu+DjDP///wgAAAAAAAAAAAAAAAAAAAAAAAAAAAAAAAAAAAAAZAAAAAEAAABAAAAAAAAAAAAAAAAAAAAAAAAAAAAAAAAAAAAAAAAAAAAAAAAAAAAAAAAAAAAAAAAAAAAAAAAAAAAAAAAAAAAAAAAAAAAAAAAAAAAAAAAAAAAAAAAAAAAAFAAAADwAAAAAAAAAAAAAAAAAAAkUAAAAAQAAABQAAAAUAAAAFAAAAAEAAAAAAAAAZAAAAGQAAAAAAAAAZAAAAGQAAAAVAAAAYAAAAAAAAAAAAAAADwAAACADAAAAAAAAAAAAAAEAAACgMgAAVgcAAKr4//8BAAAAf39/AAEAAABkAAAAAAAAABQAAABAHwAAAAAAACYAAAAAAAAAwOD//wAAAAAmAAAAZAAAABYAAABMAAAAAAAAAAAAAAAEAAAAAAAAAAEAAACAgIAKAAAAACgAAAAoAAAAZAAAAGQAAAAAAAAAzMzMAAAAAABQAAAAUAAAAGQAAABkAAAAAAAAABcAAAAUAAAAAAAAAAAAAAD/fwAA/38AAAAAAAAJAAAABAAAAF8AYAAeAAAAaAAAAAAAAAAAAAAAAAAAAAAAAAAAAAAAECcAABAnAAAAAAAAAAAAAAAAAAAAAAAAAAAAAAAAAAAAAAAAAAAAABQAAAAAAAAAwMD/AAAAAABkAAAAMgAAAAAAAABkAAAAAAAAAH9/fwAKAAAAIgAAABgAAAAAAAAAAAAAAAAAAAAAAAAAAAAAAAAAAAAkAAAAJAAAAAAAAAAHAAAAAAAAAAAAAAAAAAAAAAAAAAAAAAAAAAAAf39/ACUAAABYAAAAAAAAAAAAAAAAAAAAAAAAAAAAAAAAAAAAAAAAAAAAAAAAAAAAAAAAAAAAAAA/AAAAAAAAAKCGAQAAAAAAAAAAAAAAAAAMAAAAAQAAAAAAAAAAAAAAAAAAAB8AAABUAAAAAAAABQAAAAEAAAAAAAAAAAAAAAAAAAAAAAAAAAAAAAAAAAAAAAAAAAAAAAJ/f38AAAAAA8zMzADAwP8Af39/AAAAAAAAAAAAAAAAAAAAAAAAAAAAIQAAABgAAAAUAAAAwAMAALABAABARwAAuAgAABAAAAAmAAAACAAAAAAAAAAAAAAA"/>
               </a:ext>
             </a:extLst>
           </p:cNvSpPr>
@@ -4272,7 +4516,7 @@
             <a:spLocks noGrp="1" noChangeArrowheads="1"/>
             <a:extLst>
               <a:ext uri="smNativeData">
-                <pr:smNativeData xmlns:pr="smNativeData" xmlns="smNativeData" val="SMDATA_15_SSBGaRMAAAAlAAAAZAAAAA0AAAAAkAAAAEgAAACQAAAASAAAAAAAAAAAAAAAAAAAAAEAAABQAAAAAAAAAAAA4D8AAAAAAADgPwAAAAAAAOA/AAAAAAAA4D8AAAAAAADgPwAAAAAAAOA/AAAAAAAA4D8AAAAAAADgPwAAAAAAAOA/AAAAAAAA4D8CAAAAjAAAAAAAAAAAAAAAu+DjDP///wgAAAAAAAAAAAAAAAAAAAAAAAAAAAAAAAAAAAAAZAAAAAEAAABAAAAAAAAAAAAAAAAAAAAAAAAAAAAAAAAAAAAAAAAAAAAAAAAAAAAAAAAAAAAAAAAAAAAAAAAAAAAAAAAAAAAAAAAAAAAAAAAAAAAAAAAAAAAAAAAAAAAAFAAAADwAAAAAAAAAAAAAAAAAAAkUAAAAAQAAABQAAAAUAAAAFAAAAAEAAAAAAAAAZAAAAGQAAAAAAAAAZAAAAGQAAAAVAAAAYAAAAAAAAAAAAAAADwAAACADAAAAAAAAAAAAAAEAAACgMgAAVgcAAKr4//8BAAAAf39/AAEAAABkAAAAAAAAABQAAABAHwAAAAAAACYAAAAAAAAAwOD//wAAAAAmAAAAZAAAABYAAABMAAAAAAAAAAAAAAAEAAAAAAAAAAEAAACAgIAKAAAAACgAAAAoAAAAZAAAAGQAAAAAAAAAzMzMAAAAAABQAAAAUAAAAGQAAABkAAAAAAAAABcAAAAUAAAAAAAAAAAAAAD/fwAA/38AAAAAAAAJAAAABAAAAAAAAAAeAAAAaAAAAAAAAAAAAAAAAAAAAAAAAAAAAAAAECcAABAnAAAAAAAAAAAAAAAAAAAAAAAAAAAAAAAAAAAAAAAAAAAAABQAAAAAAAAAwMD/AAAAAABkAAAAMgAAAAAAAABkAAAAAAAAAH9/fwAKAAAAIgAAABgAAAAAAAAAAAAAAAAAAAAAAAAAAAAAAAAAAAAkAAAAJAAAAAAAAAAHAAAAAAAAAAAAAAAAAAAAAAAAAAAAAAAAAAAAf39/ACUAAABYAAAAAAAAAAAAAAAAAAAAAAAAAAAAAAAAAAAAAAAAAAAAAAAAAAAAAAAAAAAAAAA/AAAAAAAAAKCGAQAAAAAAAAAAAAAAAAAMAAAAAQAAAAAAAAAAAAAAAAAAAB8AAABUAAAAAAAABQAAAAEAAAAAAAAAAAAAAAAAAAAAAAAAAAAAAAAAAAAAAAAAAAAAAAJ/f38AAAAAA8zMzADAwP8Af39/AAAAAAAAAAAAAAAAAAAAAAAAAAAAIQAAABgAAAAUAAAAwAMAANgJAABARwAAsCUAABAAAAAmAAAACAAAAAAAAAAAAAAA"/>
+                <pr:smNativeData xmlns:pr="smNativeData" xmlns="smNativeData" val="SMDATA_15_msZJaRMAAAAlAAAAZAAAAA0AAAAAkAAAAEgAAACQAAAASAAAAAAAAAAAAAAAAAAAAAEAAABQAAAAAAAAAAAA4D8AAAAAAADgPwAAAAAAAOA/AAAAAAAA4D8AAAAAAADgPwAAAAAAAOA/AAAAAAAA4D8AAAAAAADgPwAAAAAAAOA/AAAAAAAA4D8CAAAAjAAAAAAAAAAAAAAAu+DjDP///wgAAAAAAAAAAAAAAAAAAAAAAAAAAAAAAAAAAAAAZAAAAAEAAABAAAAAAAAAAAAAAAAAAAAAAAAAAAAAAAAAAAAAAAAAAAAAAAAAAAAAAAAAAAAAAAAAAAAAAAAAAAAAAAAAAAAAAAAAAAAAAAAAAAAAAAAAAAAAAAAAAAAAFAAAADwAAAAAAAAAAAAAAAAAAAkUAAAAAQAAABQAAAAUAAAAFAAAAAEAAAAAAAAAZAAAAGQAAAAAAAAAZAAAAGQAAAAVAAAAYAAAAAAAAAAAAAAADwAAACADAAAAAAAAAAAAAAEAAACgMgAAVgcAAKr4//8BAAAAf39/AAEAAABkAAAAAAAAABQAAABAHwAAAAAAACYAAAAAAAAAwOD//wAAAAAmAAAAZAAAABYAAABMAAAAAAAAAAAAAAAEAAAAAAAAAAEAAACAgIAKAAAAACgAAAAoAAAAZAAAAGQAAAAAAAAAzMzMAAAAAABQAAAAUAAAAGQAAABkAAAAAAAAABcAAAAUAAAAAAAAAAAAAAD/fwAA/38AAAAAAAAJAAAABAAAAAAAAAAeAAAAaAAAAAAAAAAAAAAAAAAAAAAAAAAAAAAAECcAABAnAAAAAAAAAAAAAAAAAAAAAAAAAAAAAAAAAAAAAAAAAAAAABQAAAAAAAAAwMD/AAAAAABkAAAAMgAAAAAAAABkAAAAAAAAAH9/fwAKAAAAIgAAABgAAAAAAAAAAAAAAAAAAAAAAAAAAAAAAAAAAAAkAAAAJAAAAAAAAAAHAAAAAAAAAAAAAAAAAAAAAAAAAAAAAAAAAAAAf39/ACUAAABYAAAAAAAAAAAAAAAAAAAAAAAAAAAAAAAAAAAAAAAAAAAAAAAAAAAAAAAAAAAAAAA/AAAAAAAAAKCGAQAAAAAAAAAAAAAAAAAMAAAAAQAAAAAAAAAAAAAAAAAAAB8AAABUAAAAAAAABQAAAAEAAAAAAAAAAAAAAAAAAAAAAAAAAAAAAAAAAAAAAAAAAAAAAAJ/f38AAAAAA8zMzADAwP8Af39/AAAAAAAAAAAAAAAAAAAAAAAAAAAAIQAAABgAAAAUAAAAwAMAANgJAABARwAAsCUAABAAAAAmAAAACAAAAAAAAAAAAAAA"/>
               </a:ext>
             </a:extLst>
           </p:cNvSpPr>
@@ -4421,7 +4665,7 @@
             <a:spLocks noGrp="1" noChangeArrowheads="1"/>
             <a:extLst>
               <a:ext uri="smNativeData">
-                <pr:smNativeData xmlns:pr="smNativeData" xmlns="smNativeData" val="SMDATA_15_SSBGaRMAAAAlAAAAZAAAAA0AAAAAkAAAAEgAAACQAAAASAAAAAAAAAABAAAAAAAAAAEAAABQAAAAAAAAAAAA4D8AAAAAAADgPwAAAAAAAOA/AAAAAAAA4D8AAAAAAADgPwAAAAAAAOA/AAAAAAAA4D8AAAAAAADgPwAAAAAAAOA/AAAAAAAA4D8CAAAAjAAAAAAAAAAAAAAAu+DjDP///wgAAAAAAAAAAAAAAAAAAAAAAAAAAAAAAAAAAAAAZAAAAAEAAABAAAAAAAAAAAAAAAAAAAAAAAAAAAAAAAAAAAAAAAAAAAAAAAAAAAAAAAAAAAAAAAAAAAAAAAAAAAAAAAAAAAAAAAAAAAAAAAAAAAAAAAAAAAAAAAAAAAAAFAAAADwAAAAAAAAAAAAAAAAAAAkUAAAAAQAAABQAAAAUAAAAFAAAAAEAAAAAAAAAZAAAAGQAAAAAAAAAZAAAAGQAAAAVAAAAYAAAAAAAAAAAAAAADwAAACADAAAAAAAAAAAAAAEAAACgMgAAVgcAAKr4//8BAAAAf39/AAEAAABkAAAAAAAAABQAAABAHwAAAAAAACYAAAAAAAAAwOD//wAAAAAmAAAAZAAAABYAAABMAAAAAAAAAAAAAAAEAAAAAAAAAAEAAACAgIAKAAAAACgAAAAoAAAAZAAAAGQAAAAAAAAAzMzMAAAAAABQAAAAUAAAAGQAAABkAAAAAAAAABcAAAAUAAAAAAAAAAAAAAD/fwAA/38AAAAAAAAJAAAABAAAAF8AYAAeAAAAaAAAAAAAAAAAAAAAAAAAAAAAAAAAAAAAECcAABAnAAAAAAAAAAAAAAAAAAAAAAAAAAAAAAAAAAAAAAAAAAAAABQAAAAAAAAAwMD/AAAAAABkAAAAMgAAAAAAAABkAAAAAAAAAH9/fwAKAAAAIgAAABgAAAAAAAAAAAAAAAAAAAAAAAAAAAAAAAAAAAAkAAAAJAAAAAAAAAAHAAAAAAAAAAAAAAAAAAAAAAAAAAAAAAAAAAAAf39/ACUAAABYAAAAAAAAAAAAAAAAAAAAAAAAAAAAAAAAAAAAAAAAAAAAAAAAAAAAAAAAAAAAAAA/AAAAAAAAAKCGAQAAAAAAAAAAAAAAAAAMAAAAAQAAAAAAAAAAAAAAAAAAAB8AAABUAAAAAAAABQAAAAEAAAAAAAAAAAAAAAAAAAAAAAAAAAAAAAAAAAAAAAAAAAAAAAJ/f38AAAAAA8zMzADAwP8Af39/AAAAAAAAAAAAAAAAAAAAAAAAAAAAIQAAABgAAAAUAAAAwAMAALABAABARwAAuAgAABAAAAAmAAAACAAAAAAAAAAAAAAA"/>
+                <pr:smNativeData xmlns:pr="smNativeData" xmlns="smNativeData" val="SMDATA_15_msZJaRMAAAAlAAAAZAAAAA0AAAAAkAAAAEgAAACQAAAASAAAAAAAAAABAAAAAAAAAAEAAABQAAAAAAAAAAAA4D8AAAAAAADgPwAAAAAAAOA/AAAAAAAA4D8AAAAAAADgPwAAAAAAAOA/AAAAAAAA4D8AAAAAAADgPwAAAAAAAOA/AAAAAAAA4D8CAAAAjAAAAAAAAAAAAAAAu+DjDP///wgAAAAAAAAAAAAAAAAAAAAAAAAAAAAAAAAAAAAAZAAAAAEAAABAAAAAAAAAAAAAAAAAAAAAAAAAAAAAAAAAAAAAAAAAAAAAAAAAAAAAAAAAAAAAAAAAAAAAAAAAAAAAAAAAAAAAAAAAAAAAAAAAAAAAAAAAAAAAAAAAAAAAFAAAADwAAAAAAAAAAAAAAAAAAAkUAAAAAQAAABQAAAAUAAAAFAAAAAEAAAAAAAAAZAAAAGQAAAAAAAAAZAAAAGQAAAAVAAAAYAAAAAAAAAAAAAAADwAAACADAAAAAAAAAAAAAAEAAACgMgAAVgcAAKr4//8BAAAAf39/AAEAAABkAAAAAAAAABQAAABAHwAAAAAAACYAAAAAAAAAwOD//wAAAAAmAAAAZAAAABYAAABMAAAAAAAAAAAAAAAEAAAAAAAAAAEAAACAgIAKAAAAACgAAAAoAAAAZAAAAGQAAAAAAAAAzMzMAAAAAABQAAAAUAAAAGQAAABkAAAAAAAAABcAAAAUAAAAAAAAAAAAAAD/fwAA/38AAAAAAAAJAAAABAAAAF8AYAAeAAAAaAAAAAAAAAAAAAAAAAAAAAAAAAAAAAAAECcAABAnAAAAAAAAAAAAAAAAAAAAAAAAAAAAAAAAAAAAAAAAAAAAABQAAAAAAAAAwMD/AAAAAABkAAAAMgAAAAAAAABkAAAAAAAAAH9/fwAKAAAAIgAAABgAAAAAAAAAAAAAAAAAAAAAAAAAAAAAAAAAAAAkAAAAJAAAAAAAAAAHAAAAAAAAAAAAAAAAAAAAAAAAAAAAAAAAAAAAf39/ACUAAABYAAAAAAAAAAAAAAAAAAAAAAAAAAAAAAAAAAAAAAAAAAAAAAAAAAAAAAAAAAAAAAA/AAAAAAAAAKCGAQAAAAAAAAAAAAAAAAAMAAAAAQAAAAAAAAAAAAAAAAAAAB8AAABUAAAAAAAABQAAAAEAAAAAAAAAAAAAAAAAAAAAAAAAAAAAAAAAAAAAAAAAAAAAAAJ/f38AAAAAA8zMzADAwP8Af39/AAAAAAAAAAAAAAAAAAAAAAAAAAAAIQAAABgAAAAUAAAAwAMAALABAABARwAAuAgAABAAAAAmAAAACAAAAAAAAAAAAAAA"/>
               </a:ext>
             </a:extLst>
           </p:cNvSpPr>
@@ -4448,7 +4692,7 @@
             <a:spLocks noGrp="1" noChangeArrowheads="1"/>
             <a:extLst>
               <a:ext uri="smNativeData">
-                <pr:smNativeData xmlns:pr="smNativeData" xmlns="smNativeData" val="SMDATA_15_SSBGaRMAAAAlAAAAZAAAAA0AAAAAkAAAAEgAAACQAAAASAAAAAAAAAAAAAAAAAAAAAEAAABQAAAAAAAAAAAA4D8AAAAAAADgPwAAAAAAAOA/AAAAAAAA4D8AAAAAAADgPwAAAAAAAOA/AAAAAAAA4D8AAAAAAADgPwAAAAAAAOA/AAAAAAAA4D8CAAAAjAAAAAAAAAAAAAAAu+DjDP///wgAAAAAAAAAAAAAAAAAAAAAAAAAAAAAAAAAAAAAZAAAAAEAAABAAAAAAAAAAAAAAAAAAAAAAAAAAAAAAAAAAAAAAAAAAAAAAAAAAAAAAAAAAAAAAAAAAAAAAAAAAAAAAAAAAAAAAAAAAAAAAAAAAAAAAAAAAAAAAAAAAAAAFAAAADwAAAAAAAAAAAAAAAAAAAkUAAAAAQAAABQAAAAUAAAAFAAAAAEAAAAAAAAAZAAAAGQAAAAAAAAAZAAAAGQAAAAVAAAAYAAAAAAAAAAAAAAADwAAACADAAAAAAAAAAAAAAEAAACgMgAAVgcAAKr4//8BAAAAf39/AAEAAABkAAAAAAAAABQAAABAHwAAAAAAACYAAAAAAAAAwOD//wAAAAAmAAAAZAAAABYAAABMAAAAAAAAAAAAAAAEAAAAAAAAAAEAAACAgIAKAAAAACgAAAAoAAAAZAAAAGQAAAAAAAAAzMzMAAAAAABQAAAAUAAAAGQAAABkAAAAAAAAABcAAAAUAAAAAAAAAAAAAAD/fwAA/38AAAAAAAAJAAAABAAAAPz///8eAAAAaAAAAAAAAAAAAAAAAAAAAAAAAAAAAAAAECcAABAnAAAAAAAAAAAAAAAAAAAAAAAAAAAAAAAAAAAAAAAAAAAAABQAAAAAAAAAwMD/AAAAAABkAAAAMgAAAAAAAABkAAAAAAAAAH9/fwAKAAAAIgAAABgAAAAAAAAAAAAAAAAAAAAAAAAAAAAAAAAAAAAkAAAAJAAAAAAAAAAHAAAAAAAAAAAAAAAAAAAAAAAAAAAAAAAAAAAAf39/ACUAAABYAAAAAAAAAAAAAAAAAAAAAAAAAAAAAAAAAAAAAAAAAAAAAAAAAAAAAAAAAAAAAAA/AAAAAAAAAKCGAQAAAAAAAAAAAAAAAAAMAAAAAQAAAAAAAAAAAAAAAAAAAB8AAABUAAAAAAAABQAAAAEAAAAAAAAAAAAAAAAAAAAAAAAAAAAAAAAAAAAAAAAAAAAAAAJ/f38AAAAAA8zMzADAwP8Af39/AAAAAAAAAAAAAAAAAAAAAAAAAAAAIQAAABgAAAAUAAAAwAMAANgJAABARwAAsCUAABAAAAAmAAAACAAAAAAAAAAAAAAA"/>
+                <pr:smNativeData xmlns:pr="smNativeData" xmlns="smNativeData" val="SMDATA_15_msZJaRMAAAAlAAAAZAAAAA0AAAAAkAAAAEgAAACQAAAASAAAAAAAAAAAAAAAAAAAAAEAAABQAAAAAAAAAAAA4D8AAAAAAADgPwAAAAAAAOA/AAAAAAAA4D8AAAAAAADgPwAAAAAAAOA/AAAAAAAA4D8AAAAAAADgPwAAAAAAAOA/AAAAAAAA4D8CAAAAjAAAAAAAAAAAAAAAu+DjDP///wgAAAAAAAAAAAAAAAAAAAAAAAAAAAAAAAAAAAAAZAAAAAEAAABAAAAAAAAAAAAAAAAAAAAAAAAAAAAAAAAAAAAAAAAAAAAAAAAAAAAAAAAAAAAAAAAAAAAAAAAAAAAAAAAAAAAAAAAAAAAAAAAAAAAAAAAAAAAAAAAAAAAAFAAAADwAAAAAAAAAAAAAAAAAAAkUAAAAAQAAABQAAAAUAAAAFAAAAAEAAAAAAAAAZAAAAGQAAAAAAAAAZAAAAGQAAAAVAAAAYAAAAAAAAAAAAAAADwAAACADAAAAAAAAAAAAAAEAAACgMgAAVgcAAKr4//8BAAAAf39/AAEAAABkAAAAAAAAABQAAABAHwAAAAAAACYAAAAAAAAAwOD//wAAAAAmAAAAZAAAABYAAABMAAAAAAAAAAAAAAAEAAAAAAAAAAEAAACAgIAKAAAAACgAAAAoAAAAZAAAAGQAAAAAAAAAzMzMAAAAAABQAAAAUAAAAGQAAABkAAAAAAAAABcAAAAUAAAAAAAAAAAAAAD/fwAA/38AAAAAAAAJAAAABAAAAPz///8eAAAAaAAAAAAAAAAAAAAAAAAAAAAAAAAAAAAAECcAABAnAAAAAAAAAAAAAAAAAAAAAAAAAAAAAAAAAAAAAAAAAAAAABQAAAAAAAAAwMD/AAAAAABkAAAAMgAAAAAAAABkAAAAAAAAAH9/fwAKAAAAIgAAABgAAAAAAAAAAAAAAAAAAAAAAAAAAAAAAAAAAAAkAAAAJAAAAAAAAAAHAAAAAAAAAAAAAAAAAAAAAAAAAAAAAAAAAAAAf39/ACUAAABYAAAAAAAAAAAAAAAAAAAAAAAAAAAAAAAAAAAAAAAAAAAAAAAAAAAAAAAAAAAAAAA/AAAAAAAAAKCGAQAAAAAAAAAAAAAAAAAMAAAAAQAAAAAAAAAAAAAAAAAAAB8AAABUAAAAAAAABQAAAAEAAAAAAAAAAAAAAAAAAAAAAAAAAAAAAAAAAAAAAAAAAAAAAAJ/f38AAAAAA8zMzADAwP8Af39/AAAAAAAAAAAAAAAAAAAAAAAAAAAAIQAAABgAAAAUAAAAwAMAANgJAABARwAAsCUAABAAAAAmAAAACAAAAAAAAAAAAAAA"/>
               </a:ext>
             </a:extLst>
           </p:cNvSpPr>
@@ -4555,7 +4799,7 @@
             <a:spLocks noGrp="1" noChangeArrowheads="1"/>
             <a:extLst>
               <a:ext uri="smNativeData">
-                <pr:smNativeData xmlns:pr="smNativeData" xmlns="smNativeData" val="SMDATA_15_SSBGaRMAAAAlAAAAZAAAAA0AAAAAkAAAAEgAAACQAAAASAAAAAAAAAABAAAAAAAAAAEAAABQAAAAAAAAAAAA4D8AAAAAAADgPwAAAAAAAOA/AAAAAAAA4D8AAAAAAADgPwAAAAAAAOA/AAAAAAAA4D8AAAAAAADgPwAAAAAAAOA/AAAAAAAA4D8CAAAAjAAAAAAAAAAAAAAAu+DjDP///wgAAAAAAAAAAAAAAAAAAAAAAAAAAAAAAAAAAAAAZAAAAAEAAABAAAAAAAAAAAAAAAAAAAAAAAAAAAAAAAAAAAAAAAAAAAAAAAAAAAAAAAAAAAAAAAAAAAAAAAAAAAAAAAAAAAAAAAAAAAAAAAAAAAAAAAAAAAAAAAAAAAAAFAAAADwAAAAAAAAAAAAAAAAAAAkUAAAAAQAAABQAAAAUAAAAFAAAAAEAAAAAAAAAZAAAAGQAAAAAAAAAZAAAAGQAAAAVAAAAYAAAAAAAAAAAAAAADwAAACADAAAAAAAAAAAAAAEAAACgMgAAVgcAAKr4//8BAAAAf39/AAEAAABkAAAAAAAAABQAAABAHwAAAAAAACYAAAAAAAAAwOD//wAAAAAmAAAAZAAAABYAAABMAAAAAAAAAAAAAAAEAAAAAAAAAAEAAACAgIAKAAAAACgAAAAoAAAAZAAAAGQAAAAAAAAAzMzMAAAAAABQAAAAUAAAAGQAAABkAAAAAAAAABcAAAAUAAAAAAAAAAAAAAD/fwAA/38AAAAAAAAJAAAABAAAAF8AYAAeAAAAaAAAAAAAAAAAAAAAAAAAAAAAAAAAAAAAECcAABAnAAAAAAAAAAAAAAAAAAAAAAAAAAAAAAAAAAAAAAAAAAAAABQAAAAAAAAAwMD/AAAAAABkAAAAMgAAAAAAAABkAAAAAAAAAH9/fwAKAAAAIgAAABgAAAAAAAAAAAAAAAAAAAAAAAAAAAAAAAAAAAAkAAAAJAAAAAAAAAAHAAAAAAAAAAAAAAAAAAAAAAAAAAAAAAAAAAAAf39/ACUAAABYAAAAAAAAAAAAAAAAAAAAAAAAAAAAAAAAAAAAAAAAAAAAAAAAAAAAAAAAAAAAAAA/AAAAAAAAAKCGAQAAAAAAAAAAAAAAAAAMAAAAAQAAAAAAAAAAAAAAAAAAAB8AAABUAAAAAAAABQAAAAEAAAAAAAAAAAAAAAAAAAAAAAAAAAAAAAAAAAAAAAAAAAAAAAJ/f38AAAAAA8zMzADAwP8Af39/AAAAAAAAAAAAAAAAAAAAAAAAAAAAIQAAABgAAAAUAAAAwAMAALABAABARwAAuAgAABAAAAAmAAAACAAAAAAAAAAAAAAA"/>
+                <pr:smNativeData xmlns:pr="smNativeData" xmlns="smNativeData" val="SMDATA_15_msZJaRMAAAAlAAAAZAAAAA0AAAAAkAAAAEgAAACQAAAASAAAAAAAAAABAAAAAAAAAAEAAABQAAAAAAAAAAAA4D8AAAAAAADgPwAAAAAAAOA/AAAAAAAA4D8AAAAAAADgPwAAAAAAAOA/AAAAAAAA4D8AAAAAAADgPwAAAAAAAOA/AAAAAAAA4D8CAAAAjAAAAAAAAAAAAAAAu+DjDP///wgAAAAAAAAAAAAAAAAAAAAAAAAAAAAAAAAAAAAAZAAAAAEAAABAAAAAAAAAAAAAAAAAAAAAAAAAAAAAAAAAAAAAAAAAAAAAAAAAAAAAAAAAAAAAAAAAAAAAAAAAAAAAAAAAAAAAAAAAAAAAAAAAAAAAAAAAAAAAAAAAAAAAFAAAADwAAAAAAAAAAAAAAAAAAAkUAAAAAQAAABQAAAAUAAAAFAAAAAEAAAAAAAAAZAAAAGQAAAAAAAAAZAAAAGQAAAAVAAAAYAAAAAAAAAAAAAAADwAAACADAAAAAAAAAAAAAAEAAACgMgAAVgcAAKr4//8BAAAAf39/AAEAAABkAAAAAAAAABQAAABAHwAAAAAAACYAAAAAAAAAwOD//wAAAAAmAAAAZAAAABYAAABMAAAAAAAAAAAAAAAEAAAAAAAAAAEAAACAgIAKAAAAACgAAAAoAAAAZAAAAGQAAAAAAAAAzMzMAAAAAABQAAAAUAAAAGQAAABkAAAAAAAAABcAAAAUAAAAAAAAAAAAAAD/fwAA/38AAAAAAAAJAAAABAAAAF8AYAAeAAAAaAAAAAAAAAAAAAAAAAAAAAAAAAAAAAAAECcAABAnAAAAAAAAAAAAAAAAAAAAAAAAAAAAAAAAAAAAAAAAAAAAABQAAAAAAAAAwMD/AAAAAABkAAAAMgAAAAAAAABkAAAAAAAAAH9/fwAKAAAAIgAAABgAAAAAAAAAAAAAAAAAAAAAAAAAAAAAAAAAAAAkAAAAJAAAAAAAAAAHAAAAAAAAAAAAAAAAAAAAAAAAAAAAAAAAAAAAf39/ACUAAABYAAAAAAAAAAAAAAAAAAAAAAAAAAAAAAAAAAAAAAAAAAAAAAAAAAAAAAAAAAAAAAA/AAAAAAAAAKCGAQAAAAAAAAAAAAAAAAAMAAAAAQAAAAAAAAAAAAAAAAAAAB8AAABUAAAAAAAABQAAAAEAAAAAAAAAAAAAAAAAAAAAAAAAAAAAAAAAAAAAAAAAAAAAAAJ/f38AAAAAA8zMzADAwP8Af39/AAAAAAAAAAAAAAAAAAAAAAAAAAAAIQAAABgAAAAUAAAAwAMAALABAABARwAAuAgAABAAAAAmAAAACAAAAAAAAAAAAAAA"/>
               </a:ext>
             </a:extLst>
           </p:cNvSpPr>
@@ -4582,7 +4826,7 @@
             <a:spLocks noGrp="1" noChangeArrowheads="1"/>
             <a:extLst>
               <a:ext uri="smNativeData">
-                <pr:smNativeData xmlns:pr="smNativeData" xmlns="smNativeData" val="SMDATA_15_SSBGaRMAAAAlAAAAZAAAAA0AAAAAkAAAAEgAAACQAAAASAAAAAAAAAAAAAAAAAAAAAEAAABQAAAAAAAAAAAA4D8AAAAAAADgPwAAAAAAAOA/AAAAAAAA4D8AAAAAAADgPwAAAAAAAOA/AAAAAAAA4D8AAAAAAADgPwAAAAAAAOA/AAAAAAAA4D8CAAAAjAAAAAAAAAAAAAAAu+DjDP///wgAAAAAAAAAAAAAAAAAAAAAAAAAAAAAAAAAAAAAZAAAAAEAAABAAAAAAAAAAAAAAAAAAAAAAAAAAAAAAAAAAAAAAAAAAAAAAAAAAAAAAAAAAAAAAAAAAAAAAAAAAAAAAAAAAAAAAAAAAAAAAAAAAAAAAAAAAAAAAAAAAAAAFAAAADwAAAAAAAAAAAAAAAAAAAkUAAAAAQAAABQAAAAUAAAAFAAAAAEAAAAAAAAAZAAAAGQAAAAAAAAAZAAAAGQAAAAVAAAAYAAAAAAAAAAAAAAADwAAACADAAAAAAAAAAAAAAEAAACgMgAAVgcAAKr4//8BAAAAf39/AAEAAABkAAAAAAAAABQAAABAHwAAAAAAACYAAAAAAAAAwOD//wAAAAAmAAAAZAAAABYAAABMAAAAAAAAAAAAAAAEAAAAAAAAAAEAAACAgIAKAAAAACgAAAAoAAAAZAAAAGQAAAAAAAAAzMzMAAAAAABQAAAAUAAAAGQAAABkAAAAAAAAABcAAAAUAAAAAAAAAAAAAAD/fwAA/38AAAAAAAAJAAAABAAAAF8AYAAeAAAAaAAAAAAAAAAAAAAAAAAAAAAAAAAAAAAAECcAABAnAAAAAAAAAAAAAAAAAAAAAAAAAAAAAAAAAAAAAAAAAAAAABQAAAAAAAAAwMD/AAAAAABkAAAAMgAAAAAAAABkAAAAAAAAAH9/fwAKAAAAIgAAABgAAAAAAAAAAAAAAAAAAAAAAAAAAAAAAAAAAAAkAAAAJAAAAAAAAAAHAAAAAAAAAAAAAAAAAAAAAAAAAAAAAAAAAAAAf39/ACUAAABYAAAAAAAAAAAAAAAAAAAAAAAAAAAAAAAAAAAAAAAAAAAAAAAAAAAAAAAAAAAAAAA/AAAAAAAAAKCGAQAAAAAAAAAAAAAAAAAMAAAAAQAAAAAAAAAAAAAAAAAAAB8AAABUAAAAAAAABQAAAAEAAAAAAAAAAAAAAAAAAAAAAAAAAAAAAAAAAAAAAAAAAAAAAAJ/f38AAAAAA8zMzADAwP8Af39/AAAAAAAAAAAAAAAAAAAAAAAAAAAAIQAAABgAAAAUAAAAwAMAANgJAABARwAAsCUAABAAAAAmAAAACAAAAAAAAAAAAAAA"/>
+                <pr:smNativeData xmlns:pr="smNativeData" xmlns="smNativeData" val="SMDATA_15_msZJaRMAAAAlAAAAZAAAAA0AAAAAkAAAAEgAAACQAAAASAAAAAAAAAAAAAAAAAAAAAEAAABQAAAAAAAAAAAA4D8AAAAAAADgPwAAAAAAAOA/AAAAAAAA4D8AAAAAAADgPwAAAAAAAOA/AAAAAAAA4D8AAAAAAADgPwAAAAAAAOA/AAAAAAAA4D8CAAAAjAAAAAAAAAAAAAAAu+DjDP///wgAAAAAAAAAAAAAAAAAAAAAAAAAAAAAAAAAAAAAZAAAAAEAAABAAAAAAAAAAAAAAAAAAAAAAAAAAAAAAAAAAAAAAAAAAAAAAAAAAAAAAAAAAAAAAAAAAAAAAAAAAAAAAAAAAAAAAAAAAAAAAAAAAAAAAAAAAAAAAAAAAAAAFAAAADwAAAAAAAAAAAAAAAAAAAkUAAAAAQAAABQAAAAUAAAAFAAAAAEAAAAAAAAAZAAAAGQAAAAAAAAAZAAAAGQAAAAVAAAAYAAAAAAAAAAAAAAADwAAACADAAAAAAAAAAAAAAEAAACgMgAAVgcAAKr4//8BAAAAf39/AAEAAABkAAAAAAAAABQAAABAHwAAAAAAACYAAAAAAAAAwOD//wAAAAAmAAAAZAAAABYAAABMAAAAAAAAAAAAAAAEAAAAAAAAAAEAAACAgIAKAAAAACgAAAAoAAAAZAAAAGQAAAAAAAAAzMzMAAAAAABQAAAAUAAAAGQAAABkAAAAAAAAABcAAAAUAAAAAAAAAAAAAAD/fwAA/38AAAAAAAAJAAAABAAAAF8AYAAeAAAAaAAAAAAAAAAAAAAAAAAAAAAAAAAAAAAAECcAABAnAAAAAAAAAAAAAAAAAAAAAAAAAAAAAAAAAAAAAAAAAAAAABQAAAAAAAAAwMD/AAAAAABkAAAAMgAAAAAAAABkAAAAAAAAAH9/fwAKAAAAIgAAABgAAAAAAAAAAAAAAAAAAAAAAAAAAAAAAAAAAAAkAAAAJAAAAAAAAAAHAAAAAAAAAAAAAAAAAAAAAAAAAAAAAAAAAAAAf39/ACUAAABYAAAAAAAAAAAAAAAAAAAAAAAAAAAAAAAAAAAAAAAAAAAAAAAAAAAAAAAAAAAAAAA/AAAAAAAAAKCGAQAAAAAAAAAAAAAAAAAMAAAAAQAAAAAAAAAAAAAAAAAAAB8AAABUAAAAAAAABQAAAAEAAAAAAAAAAAAAAAAAAAAAAAAAAAAAAAAAAAAAAAAAAAAAAAJ/f38AAAAAA8zMzADAwP8Af39/AAAAAAAAAAAAAAAAAAAAAAAAAAAAIQAAABgAAAAUAAAAwAMAANgJAABARwAAsCUAABAAAAAmAAAACAAAAAAAAAAAAAAA"/>
               </a:ext>
             </a:extLst>
           </p:cNvSpPr>
@@ -4734,7 +4978,7 @@
             <a:spLocks noGrp="1" noChangeArrowheads="1"/>
             <a:extLst>
               <a:ext uri="smNativeData">
-                <pr:smNativeData xmlns:pr="smNativeData" xmlns="smNativeData" val="SMDATA_15_SSBGaRMAAAAlAAAAZAAAAA0AAAAAkAAAAEgAAACQAAAASAAAAAAAAAABAAAAAAAAAAEAAABQAAAAAAAAAAAA4D8AAAAAAADgPwAAAAAAAOA/AAAAAAAA4D8AAAAAAADgPwAAAAAAAOA/AAAAAAAA4D8AAAAAAADgPwAAAAAAAOA/AAAAAAAA4D8CAAAAjAAAAAAAAAAAAAAAu+DjDP///wgAAAAAAAAAAAAAAAAAAAAAAAAAAAAAAAAAAAAAZAAAAAEAAABAAAAAAAAAAAAAAAAAAAAAAAAAAAAAAAAAAAAAAAAAAAAAAAAAAAAAAAAAAAAAAAAAAAAAAAAAAAAAAAAAAAAAAAAAAAAAAAAAAAAAAAAAAAAAAAAAAAAAFAAAADwAAAAAAAAAAAAAAAAAAAkUAAAAAQAAABQAAAAUAAAAFAAAAAEAAAAAAAAAZAAAAGQAAAAAAAAAZAAAAGQAAAAVAAAAYAAAAAAAAAAAAAAADwAAACADAAAAAAAAAAAAAAEAAACgMgAAVgcAAKr4//8BAAAAf39/AAEAAABkAAAAAAAAABQAAABAHwAAAAAAACYAAAAAAAAAwOD//wAAAAAmAAAAZAAAABYAAABMAAAAAAAAAAAAAAAEAAAAAAAAAAEAAACAgIAKAAAAACgAAAAoAAAAZAAAAGQAAAAAAAAAzMzMAAAAAABQAAAAUAAAAGQAAABkAAAAAAAAABcAAAAUAAAAAAAAAAAAAAD/fwAA/38AAAAAAAAJAAAABAAAAAAAAAAeAAAAaAAAAAAAAAAAAAAAAAAAAAAAAAAAAAAAECcAABAnAAAAAAAAAAAAAAAAAAAAAAAAAAAAAAAAAAAAAAAAAAAAABQAAAAAAAAAwMD/AAAAAABkAAAAMgAAAAAAAABkAAAAAAAAAH9/fwAKAAAAIgAAABgAAAAAAAAAAAAAAAAAAAAAAAAAAAAAAAAAAAAkAAAAJAAAAAAAAAAHAAAAAAAAAAAAAAAAAAAAAAAAAAAAAAAAAAAAf39/ACUAAABYAAAAAAAAAAAAAAAAAAAAAAAAAAAAAAAAAAAAAAAAAAAAAAAAAAAAAAAAAAAAAAA/AAAAAAAAAKCGAQAAAAAAAAAAAAAAAAAMAAAAAQAAAAAAAAAAAAAAAAAAAB8AAABUAAAAAAAABQAAAAEAAAAAAAAAAAAAAAAAAAAAAAAAAAAAAAAAAAAAAAAAAAAAAAJ/f38AAAAAA8zMzADAwP8Af39/AAAAAAAAAAAAAAAAAAAAAAAAAAAAIQAAABgAAAAUAAAAwAMAALABAABARwAAuAgAABAAAAAmAAAACAAAAAAAAAAAAAAA"/>
+                <pr:smNativeData xmlns:pr="smNativeData" xmlns="smNativeData" val="SMDATA_15_msZJaRMAAAAlAAAAZAAAAA0AAAAAkAAAAEgAAACQAAAASAAAAAAAAAABAAAAAAAAAAEAAABQAAAAAAAAAAAA4D8AAAAAAADgPwAAAAAAAOA/AAAAAAAA4D8AAAAAAADgPwAAAAAAAOA/AAAAAAAA4D8AAAAAAADgPwAAAAAAAOA/AAAAAAAA4D8CAAAAjAAAAAAAAAAAAAAAu+DjDP///wgAAAAAAAAAAAAAAAAAAAAAAAAAAAAAAAAAAAAAZAAAAAEAAABAAAAAAAAAAAAAAAAAAAAAAAAAAAAAAAAAAAAAAAAAAAAAAAAAAAAAAAAAAAAAAAAAAAAAAAAAAAAAAAAAAAAAAAAAAAAAAAAAAAAAAAAAAAAAAAAAAAAAFAAAADwAAAAAAAAAAAAAAAAAAAkUAAAAAQAAABQAAAAUAAAAFAAAAAEAAAAAAAAAZAAAAGQAAAAAAAAAZAAAAGQAAAAVAAAAYAAAAAAAAAAAAAAADwAAACADAAAAAAAAAAAAAAEAAACgMgAAVgcAAKr4//8BAAAAf39/AAEAAABkAAAAAAAAABQAAABAHwAAAAAAACYAAAAAAAAAwOD//wAAAAAmAAAAZAAAABYAAABMAAAAAAAAAAAAAAAEAAAAAAAAAAEAAACAgIAKAAAAACgAAAAoAAAAZAAAAGQAAAAAAAAAzMzMAAAAAABQAAAAUAAAAGQAAABkAAAAAAAAABcAAAAUAAAAAAAAAAAAAAD/fwAA/38AAAAAAAAJAAAABAAAAAAAAAAeAAAAaAAAAAAAAAAAAAAAAAAAAAAAAAAAAAAAECcAABAnAAAAAAAAAAAAAAAAAAAAAAAAAAAAAAAAAAAAAAAAAAAAABQAAAAAAAAAwMD/AAAAAABkAAAAMgAAAAAAAABkAAAAAAAAAH9/fwAKAAAAIgAAABgAAAAAAAAAAAAAAAAAAAAAAAAAAAAAAAAAAAAkAAAAJAAAAAAAAAAHAAAAAAAAAAAAAAAAAAAAAAAAAAAAAAAAAAAAf39/ACUAAABYAAAAAAAAAAAAAAAAAAAAAAAAAAAAAAAAAAAAAAAAAAAAAAAAAAAAAAAAAAAAAAA/AAAAAAAAAKCGAQAAAAAAAAAAAAAAAAAMAAAAAQAAAAAAAAAAAAAAAAAAAB8AAABUAAAAAAAABQAAAAEAAAAAAAAAAAAAAAAAAAAAAAAAAAAAAAAAAAAAAAAAAAAAAAJ/f38AAAAAA8zMzADAwP8Af39/AAAAAAAAAAAAAAAAAAAAAAAAAAAAIQAAABgAAAAUAAAAwAMAALABAABARwAAuAgAABAAAAAmAAAACAAAAAAAAAAAAAAA"/>
               </a:ext>
             </a:extLst>
           </p:cNvSpPr>
@@ -4761,7 +5005,7 @@
             <a:spLocks noGrp="1" noChangeArrowheads="1"/>
             <a:extLst>
               <a:ext uri="smNativeData">
-                <pr:smNativeData xmlns:pr="smNativeData" xmlns="smNativeData" val="SMDATA_15_SSBGaRMAAAAlAAAAZAAAAA0AAAAAkAAAAEgAAACQAAAASAAAAAAAAAAAAAAAAAAAAAEAAABQAAAAAAAAAAAA4D8AAAAAAADgPwAAAAAAAOA/AAAAAAAA4D8AAAAAAADgPwAAAAAAAOA/AAAAAAAA4D8AAAAAAADgPwAAAAAAAOA/AAAAAAAA4D8CAAAAjAAAAAAAAAAAAAAAu+DjDP///wgAAAAAAAAAAAAAAAAAAAAAAAAAAAAAAAAAAAAAZAAAAAEAAABAAAAAAAAAAAAAAAAAAAAAAAAAAAAAAAAAAAAAAAAAAAAAAAAAAAAAAAAAAAAAAAAAAAAAAAAAAAAAAAAAAAAAAAAAAAAAAAAAAAAAAAAAAAAAAAAAAAAAFAAAADwAAAAAAAAAAAAAAAAAAAkUAAAAAQAAABQAAAAUAAAAFAAAAAEAAAAAAAAAZAAAAGQAAAAAAAAAZAAAAGQAAAAVAAAAYAAAAAAAAAAAAAAADwAAACADAAAAAAAAAAAAAAEAAACgMgAAVgcAAKr4//8BAAAAf39/AAEAAABkAAAAAAAAABQAAABAHwAAAAAAACYAAAAAAAAAwOD//wAAAAAmAAAAZAAAABYAAABMAAAAAAAAAAAAAAAEAAAAAAAAAAEAAACAgIAKAAAAACgAAAAoAAAAZAAAAGQAAAAAAAAAzMzMAAAAAABQAAAAUAAAAGQAAABkAAAAAAAAABcAAAAUAAAAAAAAAAAAAAD/fwAA/38AAAAAAAAJAAAABAAAABIAAAAeAAAAaAAAAAAAAAAAAAAAAAAAAAAAAAAAAAAAECcAABAnAAAAAAAAAAAAAAAAAAAAAAAAAAAAAAAAAAAAAAAAAAAAABQAAAAAAAAAwMD/AAAAAABkAAAAMgAAAAAAAABkAAAAAAAAAH9/fwAKAAAAIgAAABgAAAAAAAAAAAAAAAAAAAAAAAAAAAAAAAAAAAAkAAAAJAAAAAAAAAAHAAAAAAAAAAAAAAAAAAAAAAAAAAAAAAAAAAAAf39/ACUAAABYAAAAAAAAAAAAAAAAAAAAAAAAAAAAAAAAAAAAAAAAAAAAAAAAAAAAAAAAAAAAAAA/AAAAAAAAAKCGAQAAAAAAAAAAAAAAAAAMAAAAAQAAAAAAAAAAAAAAAAAAAB8AAABUAAAAAAAABQAAAAEAAAAAAAAAAAAAAAAAAAAAAAAAAAAAAAAAAAAAAAAAAAAAAAJ/f38AAAAAA8zMzADAwP8Af39/AAAAAAAAAAAAAAAAAAAAAAAAAAAAIQAAABgAAAAUAAAAwAMAANgJAABARwAAsCUAABAAAAAmAAAACAAAAAAAAAAAAAAA"/>
+                <pr:smNativeData xmlns:pr="smNativeData" xmlns="smNativeData" val="SMDATA_15_msZJaRMAAAAlAAAAZAAAAA0AAAAAkAAAAEgAAACQAAAASAAAAAAAAAAAAAAAAAAAAAEAAABQAAAAAAAAAAAA4D8AAAAAAADgPwAAAAAAAOA/AAAAAAAA4D8AAAAAAADgPwAAAAAAAOA/AAAAAAAA4D8AAAAAAADgPwAAAAAAAOA/AAAAAAAA4D8CAAAAjAAAAAAAAAAAAAAAu+DjDP///wgAAAAAAAAAAAAAAAAAAAAAAAAAAAAAAAAAAAAAZAAAAAEAAABAAAAAAAAAAAAAAAAAAAAAAAAAAAAAAAAAAAAAAAAAAAAAAAAAAAAAAAAAAAAAAAAAAAAAAAAAAAAAAAAAAAAAAAAAAAAAAAAAAAAAAAAAAAAAAAAAAAAAFAAAADwAAAAAAAAAAAAAAAAAAAkUAAAAAQAAABQAAAAUAAAAFAAAAAEAAAAAAAAAZAAAAGQAAAAAAAAAZAAAAGQAAAAVAAAAYAAAAAAAAAAAAAAADwAAACADAAAAAAAAAAAAAAEAAACgMgAAVgcAAKr4//8BAAAAf39/AAEAAABkAAAAAAAAABQAAABAHwAAAAAAACYAAAAAAAAAwOD//wAAAAAmAAAAZAAAABYAAABMAAAAAAAAAAAAAAAEAAAAAAAAAAEAAACAgIAKAAAAACgAAAAoAAAAZAAAAGQAAAAAAAAAzMzMAAAAAABQAAAAUAAAAGQAAABkAAAAAAAAABcAAAAUAAAAAAAAAAAAAAD/fwAA/38AAAAAAAAJAAAABAAAABIAAAAeAAAAaAAAAAAAAAAAAAAAAAAAAAAAAAAAAAAAECcAABAnAAAAAAAAAAAAAAAAAAAAAAAAAAAAAAAAAAAAAAAAAAAAABQAAAAAAAAAwMD/AAAAAABkAAAAMgAAAAAAAABkAAAAAAAAAH9/fwAKAAAAIgAAABgAAAAAAAAAAAAAAAAAAAAAAAAAAAAAAAAAAAAkAAAAJAAAAAAAAAAHAAAAAAAAAAAAAAAAAAAAAAAAAAAAAAAAAAAAf39/ACUAAABYAAAAAAAAAAAAAAAAAAAAAAAAAAAAAAAAAAAAAAAAAAAAAAAAAAAAAAAAAAAAAAA/AAAAAAAAAKCGAQAAAAAAAAAAAAAAAAAMAAAAAQAAAAAAAAAAAAAAAAAAAB8AAABUAAAAAAAABQAAAAEAAAAAAAAAAAAAAAAAAAAAAAAAAAAAAAAAAAAAAAAAAAAAAAJ/f38AAAAAA8zMzADAwP8Af39/AAAAAAAAAAAAAAAAAAAAAAAAAAAAIQAAABgAAAAUAAAAwAMAANgJAABARwAAsCUAABAAAAAmAAAACAAAAAAAAAAAAAAA"/>
               </a:ext>
             </a:extLst>
           </p:cNvSpPr>
@@ -4934,7 +5178,7 @@
             <a:spLocks noGrp="1" noChangeArrowheads="1"/>
             <a:extLst>
               <a:ext uri="smNativeData">
-                <pr:smNativeData xmlns:pr="smNativeData" xmlns="smNativeData" val="SMDATA_15_SSBGaRMAAAAlAAAAZAAAAA0AAAAAkAAAAEgAAACQAAAASAAAAAAAAAABAAAAAAAAAAEAAABQAAAAAAAAAAAA4D8AAAAAAADgPwAAAAAAAOA/AAAAAAAA4D8AAAAAAADgPwAAAAAAAOA/AAAAAAAA4D8AAAAAAADgPwAAAAAAAOA/AAAAAAAA4D8CAAAAjAAAAAAAAAAAAAAAu+DjDP///wgAAAAAAAAAAAAAAAAAAAAAAAAAAAAAAAAAAAAAZAAAAAEAAABAAAAAAAAAAAAAAAAAAAAAAAAAAAAAAAAAAAAAAAAAAAAAAAAAAAAAAAAAAAAAAAAAAAAAAAAAAAAAAAAAAAAAAAAAAAAAAAAAAAAAAAAAAAAAAAAAAAAAFAAAADwAAAAAAAAAAAAAAAAAAAkUAAAAAQAAABQAAAAUAAAAFAAAAAEAAAAAAAAAZAAAAGQAAAAAAAAAZAAAAGQAAAAVAAAAYAAAAAAAAAAAAAAADwAAACADAAAAAAAAAAAAAAEAAACgMgAAVgcAAKr4//8BAAAAf39/AAEAAABkAAAAAAAAABQAAABAHwAAAAAAACYAAAAAAAAAwOD//wAAAAAmAAAAZAAAABYAAABMAAAAAAAAAAAAAAAEAAAAAAAAAAEAAACAgIAKAAAAACgAAAAoAAAAZAAAAGQAAAAAAAAAzMzMAAAAAABQAAAAUAAAAGQAAABkAAAAAAAAABcAAAAUAAAAAAAAAAAAAAD/fwAA/38AAAAAAAAJAAAABAAAAAAAAAAeAAAAaAAAAAAAAAAAAAAAAAAAAAAAAAAAAAAAECcAABAnAAAAAAAAAAAAAAAAAAAAAAAAAAAAAAAAAAAAAAAAAAAAABQAAAAAAAAAwMD/AAAAAABkAAAAMgAAAAAAAABkAAAAAAAAAH9/fwAKAAAAIgAAABgAAAAAAAAAAAAAAAAAAAAAAAAAAAAAAAAAAAAkAAAAJAAAAAAAAAAHAAAAAAAAAAAAAAAAAAAAAAAAAAAAAAAAAAAAf39/ACUAAABYAAAAAAAAAAAAAAAAAAAAAAAAAAAAAAAAAAAAAAAAAAAAAAAAAAAAAAAAAAAAAAA/AAAAAAAAAKCGAQAAAAAAAAAAAAAAAAAMAAAAAQAAAAAAAAAAAAAAAAAAAB8AAABUAAAAAAAABQAAAAEAAAAAAAAAAAAAAAAAAAAAAAAAAAAAAAAAAAAAAAAAAAAAAAJ/f38AAAAAA8zMzADAwP8Af39/AAAAAAAAAAAAAAAAAAAAAAAAAAAAIQAAABgAAAAUAAAAwAMAALABAABARwAAuAgAABAAAAAmAAAACAAAAAAAAAAAAAAA"/>
+                <pr:smNativeData xmlns:pr="smNativeData" xmlns="smNativeData" val="SMDATA_15_msZJaRMAAAAlAAAAZAAAAA0AAAAAkAAAAEgAAACQAAAASAAAAAAAAAABAAAAAAAAAAEAAABQAAAAAAAAAAAA4D8AAAAAAADgPwAAAAAAAOA/AAAAAAAA4D8AAAAAAADgPwAAAAAAAOA/AAAAAAAA4D8AAAAAAADgPwAAAAAAAOA/AAAAAAAA4D8CAAAAjAAAAAAAAAAAAAAAu+DjDP///wgAAAAAAAAAAAAAAAAAAAAAAAAAAAAAAAAAAAAAZAAAAAEAAABAAAAAAAAAAAAAAAAAAAAAAAAAAAAAAAAAAAAAAAAAAAAAAAAAAAAAAAAAAAAAAAAAAAAAAAAAAAAAAAAAAAAAAAAAAAAAAAAAAAAAAAAAAAAAAAAAAAAAFAAAADwAAAAAAAAAAAAAAAAAAAkUAAAAAQAAABQAAAAUAAAAFAAAAAEAAAAAAAAAZAAAAGQAAAAAAAAAZAAAAGQAAAAVAAAAYAAAAAAAAAAAAAAADwAAACADAAAAAAAAAAAAAAEAAACgMgAAVgcAAKr4//8BAAAAf39/AAEAAABkAAAAAAAAABQAAABAHwAAAAAAACYAAAAAAAAAwOD//wAAAAAmAAAAZAAAABYAAABMAAAAAAAAAAAAAAAEAAAAAAAAAAEAAACAgIAKAAAAACgAAAAoAAAAZAAAAGQAAAAAAAAAzMzMAAAAAABQAAAAUAAAAGQAAABkAAAAAAAAABcAAAAUAAAAAAAAAAAAAAD/fwAA/38AAAAAAAAJAAAABAAAAAAAAAAeAAAAaAAAAAAAAAAAAAAAAAAAAAAAAAAAAAAAECcAABAnAAAAAAAAAAAAAAAAAAAAAAAAAAAAAAAAAAAAAAAAAAAAABQAAAAAAAAAwMD/AAAAAABkAAAAMgAAAAAAAABkAAAAAAAAAH9/fwAKAAAAIgAAABgAAAAAAAAAAAAAAAAAAAAAAAAAAAAAAAAAAAAkAAAAJAAAAAAAAAAHAAAAAAAAAAAAAAAAAAAAAAAAAAAAAAAAAAAAf39/ACUAAABYAAAAAAAAAAAAAAAAAAAAAAAAAAAAAAAAAAAAAAAAAAAAAAAAAAAAAAAAAAAAAAA/AAAAAAAAAKCGAQAAAAAAAAAAAAAAAAAMAAAAAQAAAAAAAAAAAAAAAAAAAB8AAABUAAAAAAAABQAAAAEAAAAAAAAAAAAAAAAAAAAAAAAAAAAAAAAAAAAAAAAAAAAAAAJ/f38AAAAAA8zMzADAwP8Af39/AAAAAAAAAAAAAAAAAAAAAAAAAAAAIQAAABgAAAAUAAAAwAMAALABAABARwAAuAgAABAAAAAmAAAACAAAAAAAAAAAAAAA"/>
               </a:ext>
             </a:extLst>
           </p:cNvSpPr>
@@ -4961,7 +5205,7 @@
             <a:spLocks noGrp="1" noChangeArrowheads="1"/>
             <a:extLst>
               <a:ext uri="smNativeData">
-                <pr:smNativeData xmlns:pr="smNativeData" xmlns="smNativeData" val="SMDATA_15_SSBGaRMAAAAlAAAAZAAAAA0AAAAAkAAAAEgAAACQAAAASAAAAAAAAAAAAAAAAAAAAAEAAABQAAAAAAAAAAAA4D8AAAAAAADgPwAAAAAAAOA/AAAAAAAA4D8AAAAAAADgPwAAAAAAAOA/AAAAAAAA4D8AAAAAAADgPwAAAAAAAOA/AAAAAAAA4D8CAAAAjAAAAAAAAAAAAAAAu+DjDP///wgAAAAAAAAAAAAAAAAAAAAAAAAAAAAAAAAAAAAAZAAAAAEAAABAAAAAAAAAAAAAAAAAAAAAAAAAAAAAAAAAAAAAAAAAAAAAAAAAAAAAAAAAAAAAAAAAAAAAAAAAAAAAAAAAAAAAAAAAAAAAAAAAAAAAAAAAAAAAAAAAAAAAFAAAADwAAAAAAAAAAAAAAAAAAAkUAAAAAQAAABQAAAAUAAAAFAAAAAEAAAAAAAAAZAAAAGQAAAAAAAAAZAAAAGQAAAAVAAAAYAAAAAAAAAAAAAAADwAAACADAAAAAAAAAAAAAAEAAACgMgAAVgcAAKr4//8BAAAAf39/AAEAAABkAAAAAAAAABQAAABAHwAAAAAAACYAAAAAAAAAwOD//wAAAAAmAAAAZAAAABYAAABMAAAAAAAAAAAAAAAEAAAAAAAAAAEAAACAgIAKAAAAACgAAAAoAAAAZAAAAGQAAAAAAAAAzMzMAAAAAABQAAAAUAAAAGQAAABkAAAAAAAAABcAAAAUAAAAAAAAAAAAAAD/fwAA/38AAAAAAAAJAAAABAAAAF8AYAAeAAAAaAAAAAAAAAAAAAAAAAAAAAAAAAAAAAAAECcAABAnAAAAAAAAAAAAAAAAAAAAAAAAAAAAAAAAAAAAAAAAAAAAABQAAAAAAAAAwMD/AAAAAABkAAAAMgAAAAAAAABkAAAAAAAAAH9/fwAKAAAAIgAAABgAAAAAAAAAAAAAAAAAAAAAAAAAAAAAAAAAAAAkAAAAJAAAAAAAAAAHAAAAAAAAAAAAAAAAAAAAAAAAAAAAAAAAAAAAf39/ACUAAABYAAAAAAAAAAAAAAAAAAAAAAAAAAAAAAAAAAAAAAAAAAAAAAAAAAAAAAAAAAAAAAA/AAAAAAAAAKCGAQAAAAAAAAAAAAAAAAAMAAAAAQAAAAAAAAAAAAAAAAAAAB8AAABUAAAAAAAABQAAAAEAAAAAAAAAAAAAAAAAAAAAAAAAAAAAAAAAAAAAAAAAAAAAAAJ/f38AAAAAA8zMzADAwP8Af39/AAAAAAAAAAAAAAAAAAAAAAAAAAAAIQAAABgAAAAUAAAAwAMAANgJAABARwAAsCUAABAAAAAmAAAACAAAAAAAAAAAAAAA"/>
+                <pr:smNativeData xmlns:pr="smNativeData" xmlns="smNativeData" val="SMDATA_15_msZJaRMAAAAlAAAAZAAAAA0AAAAAkAAAAEgAAACQAAAASAAAAAAAAAAAAAAAAAAAAAEAAABQAAAAAAAAAAAA4D8AAAAAAADgPwAAAAAAAOA/AAAAAAAA4D8AAAAAAADgPwAAAAAAAOA/AAAAAAAA4D8AAAAAAADgPwAAAAAAAOA/AAAAAAAA4D8CAAAAjAAAAAAAAAAAAAAAu+DjDP///wgAAAAAAAAAAAAAAAAAAAAAAAAAAAAAAAAAAAAAZAAAAAEAAABAAAAAAAAAAAAAAAAAAAAAAAAAAAAAAAAAAAAAAAAAAAAAAAAAAAAAAAAAAAAAAAAAAAAAAAAAAAAAAAAAAAAAAAAAAAAAAAAAAAAAAAAAAAAAAAAAAAAAFAAAADwAAAAAAAAAAAAAAAAAAAkUAAAAAQAAABQAAAAUAAAAFAAAAAEAAAAAAAAAZAAAAGQAAAAAAAAAZAAAAGQAAAAVAAAAYAAAAAAAAAAAAAAADwAAACADAAAAAAAAAAAAAAEAAACgMgAAVgcAAKr4//8BAAAAf39/AAEAAABkAAAAAAAAABQAAABAHwAAAAAAACYAAAAAAAAAwOD//wAAAAAmAAAAZAAAABYAAABMAAAAAAAAAAAAAAAEAAAAAAAAAAEAAACAgIAKAAAAACgAAAAoAAAAZAAAAGQAAAAAAAAAzMzMAAAAAABQAAAAUAAAAGQAAABkAAAAAAAAABcAAAAUAAAAAAAAAAAAAAD/fwAA/38AAAAAAAAJAAAABAAAAF8AYAAeAAAAaAAAAAAAAAAAAAAAAAAAAAAAAAAAAAAAECcAABAnAAAAAAAAAAAAAAAAAAAAAAAAAAAAAAAAAAAAAAAAAAAAABQAAAAAAAAAwMD/AAAAAABkAAAAMgAAAAAAAABkAAAAAAAAAH9/fwAKAAAAIgAAABgAAAAAAAAAAAAAAAAAAAAAAAAAAAAAAAAAAAAkAAAAJAAAAAAAAAAHAAAAAAAAAAAAAAAAAAAAAAAAAAAAAAAAAAAAf39/ACUAAABYAAAAAAAAAAAAAAAAAAAAAAAAAAAAAAAAAAAAAAAAAAAAAAAAAAAAAAAAAAAAAAA/AAAAAAAAAKCGAQAAAAAAAAAAAAAAAAAMAAAAAQAAAAAAAAAAAAAAAAAAAB8AAABUAAAAAAAABQAAAAEAAAAAAAAAAAAAAAAAAAAAAAAAAAAAAAAAAAAAAAAAAAAAAAJ/f38AAAAAA8zMzADAwP8Af39/AAAAAAAAAAAAAAAAAAAAAAAAAAAAIQAAABgAAAAUAAAAwAMAANgJAABARwAAsCUAABAAAAAmAAAACAAAAAAAAAAAAAAA"/>
               </a:ext>
             </a:extLst>
           </p:cNvSpPr>
@@ -5038,7 +5282,7 @@
             <a:spLocks noGrp="1" noChangeArrowheads="1"/>
             <a:extLst>
               <a:ext uri="smNativeData">
-                <pr:smNativeData xmlns:pr="smNativeData" xmlns="smNativeData" val="SMDATA_15_SSBGaRMAAAAlAAAAZAAAAA0AAAAAkAAAAEgAAACQAAAASAAAAAAAAAABAAAAAAAAAAEAAABQAAAAAAAAAAAA4D8AAAAAAADgPwAAAAAAAOA/AAAAAAAA4D8AAAAAAADgPwAAAAAAAOA/AAAAAAAA4D8AAAAAAADgPwAAAAAAAOA/AAAAAAAA4D8CAAAAjAAAAAAAAAAAAAAAu+DjDP///wgAAAAAAAAAAAAAAAAAAAAAAAAAAAAAAAAAAAAAZAAAAAEAAABAAAAAAAAAAAAAAAAAAAAAAAAAAAAAAAAAAAAAAAAAAAAAAAAAAAAAAAAAAAAAAAAAAAAAAAAAAAAAAAAAAAAAAAAAAAAAAAAAAAAAAAAAAAAAAAAAAAAAFAAAADwAAAAAAAAAAAAAAAAAAAkUAAAAAQAAABQAAAAUAAAAFAAAAAEAAAAAAAAAZAAAAGQAAAAAAAAAZAAAAGQAAAAVAAAAYAAAAAAAAAAAAAAADwAAACADAAAAAAAAAAAAAAEAAACgMgAAVgcAAKr4//8BAAAAf39/AAEAAABkAAAAAAAAABQAAABAHwAAAAAAACYAAAAAAAAAwOD//wAAAAAmAAAAZAAAABYAAABMAAAAAAAAAAAAAAAEAAAAAAAAAAEAAACAgIAKAAAAACgAAAAoAAAAZAAAAGQAAAAAAAAAzMzMAAAAAABQAAAAUAAAAGQAAABkAAAAAAAAABcAAAAUAAAAAAAAAAAAAAD/fwAA/38AAAAAAAAJAAAABAAAAF8AYAAeAAAAaAAAAAAAAAAAAAAAAAAAAAAAAAAAAAAAECcAABAnAAAAAAAAAAAAAAAAAAAAAAAAAAAAAAAAAAAAAAAAAAAAABQAAAAAAAAAwMD/AAAAAABkAAAAMgAAAAAAAABkAAAAAAAAAH9/fwAKAAAAIgAAABgAAAAAAAAAAAAAAAAAAAAAAAAAAAAAAAAAAAAkAAAAJAAAAAAAAAAHAAAAAAAAAAAAAAAAAAAAAAAAAAAAAAAAAAAAf39/ACUAAABYAAAAAAAAAAAAAAAAAAAAAAAAAAAAAAAAAAAAAAAAAAAAAAAAAAAAAAAAAAAAAAA/AAAAAAAAAKCGAQAAAAAAAAAAAAAAAAAMAAAAAQAAAAAAAAAAAAAAAAAAAB8AAABUAAAAAAAABQAAAAEAAAAAAAAAAAAAAAAAAAAAAAAAAAAAAAAAAAAAAAAAAAAAAAJ/f38AAAAAA8zMzADAwP8Af39/AAAAAAAAAAAAAAAAAAAAAAAAAAAAIQAAABgAAAAUAAAAwAMAALABAABARwAAuAgAABAAAAAmAAAACAAAAAAAAAAAAAAA"/>
+                <pr:smNativeData xmlns:pr="smNativeData" xmlns="smNativeData" val="SMDATA_15_msZJaRMAAAAlAAAAZAAAAA0AAAAAkAAAAEgAAACQAAAASAAAAAAAAAABAAAAAAAAAAEAAABQAAAAAAAAAAAA4D8AAAAAAADgPwAAAAAAAOA/AAAAAAAA4D8AAAAAAADgPwAAAAAAAOA/AAAAAAAA4D8AAAAAAADgPwAAAAAAAOA/AAAAAAAA4D8CAAAAjAAAAAAAAAAAAAAAu+DjDP///wgAAAAAAAAAAAAAAAAAAAAAAAAAAAAAAAAAAAAAZAAAAAEAAABAAAAAAAAAAAAAAAAAAAAAAAAAAAAAAAAAAAAAAAAAAAAAAAAAAAAAAAAAAAAAAAAAAAAAAAAAAAAAAAAAAAAAAAAAAAAAAAAAAAAAAAAAAAAAAAAAAAAAFAAAADwAAAAAAAAAAAAAAAAAAAkUAAAAAQAAABQAAAAUAAAAFAAAAAEAAAAAAAAAZAAAAGQAAAAAAAAAZAAAAGQAAAAVAAAAYAAAAAAAAAAAAAAADwAAACADAAAAAAAAAAAAAAEAAACgMgAAVgcAAKr4//8BAAAAf39/AAEAAABkAAAAAAAAABQAAABAHwAAAAAAACYAAAAAAAAAwOD//wAAAAAmAAAAZAAAABYAAABMAAAAAAAAAAAAAAAEAAAAAAAAAAEAAACAgIAKAAAAACgAAAAoAAAAZAAAAGQAAAAAAAAAzMzMAAAAAABQAAAAUAAAAGQAAABkAAAAAAAAABcAAAAUAAAAAAAAAAAAAAD/fwAA/38AAAAAAAAJAAAABAAAAF8AYAAeAAAAaAAAAAAAAAAAAAAAAAAAAAAAAAAAAAAAECcAABAnAAAAAAAAAAAAAAAAAAAAAAAAAAAAAAAAAAAAAAAAAAAAABQAAAAAAAAAwMD/AAAAAABkAAAAMgAAAAAAAABkAAAAAAAAAH9/fwAKAAAAIgAAABgAAAAAAAAAAAAAAAAAAAAAAAAAAAAAAAAAAAAkAAAAJAAAAAAAAAAHAAAAAAAAAAAAAAAAAAAAAAAAAAAAAAAAAAAAf39/ACUAAABYAAAAAAAAAAAAAAAAAAAAAAAAAAAAAAAAAAAAAAAAAAAAAAAAAAAAAAAAAAAAAAA/AAAAAAAAAKCGAQAAAAAAAAAAAAAAAAAMAAAAAQAAAAAAAAAAAAAAAAAAAB8AAABUAAAAAAAABQAAAAEAAAAAAAAAAAAAAAAAAAAAAAAAAAAAAAAAAAAAAAAAAAAAAAJ/f38AAAAAA8zMzADAwP8Af39/AAAAAAAAAAAAAAAAAAAAAAAAAAAAIQAAABgAAAAUAAAAwAMAALABAABARwAAuAgAABAAAAAmAAAACAAAAAAAAAAAAAAA"/>
               </a:ext>
             </a:extLst>
           </p:cNvSpPr>
@@ -5065,7 +5309,7 @@
             <a:spLocks noGrp="1" noChangeArrowheads="1"/>
             <a:extLst>
               <a:ext uri="smNativeData">
-                <pr:smNativeData xmlns:pr="smNativeData" xmlns="smNativeData" val="SMDATA_15_SSBGaRMAAAAlAAAAZAAAAA0AAAAAkAAAAEgAAACQAAAASAAAAAAAAAAAAAAAAAAAAAEAAABQAAAAAAAAAAAA4D8AAAAAAADgPwAAAAAAAOA/AAAAAAAA4D8AAAAAAADgPwAAAAAAAOA/AAAAAAAA4D8AAAAAAADgPwAAAAAAAOA/AAAAAAAA4D8CAAAAjAAAAAAAAAAAAAAAu+DjDP///wgAAAAAAAAAAAAAAAAAAAAAAAAAAAAAAAAAAAAAZAAAAAEAAABAAAAAAAAAAAAAAAAAAAAAAAAAAAAAAAAAAAAAAAAAAAAAAAAAAAAAAAAAAAAAAAAAAAAAAAAAAAAAAAAAAAAAAAAAAAAAAAAAAAAAAAAAAAAAAAAAAAAAFAAAADwAAAAAAAAAAAAAAAAAAAkUAAAAAQAAABQAAAAUAAAAFAAAAAEAAAAAAAAAZAAAAGQAAAAAAAAAZAAAAGQAAAAVAAAAYAAAAAAAAAAAAAAADwAAACADAAAAAAAAAAAAAAEAAACgMgAAVgcAAKr4//8BAAAAf39/AAEAAABkAAAAAAAAABQAAABAHwAAAAAAACYAAAAAAAAAwOD//wAAAAAmAAAAZAAAABYAAABMAAAAAAAAAAAAAAAEAAAAAAAAAAEAAACAgIAKAAAAACgAAAAoAAAAZAAAAGQAAAAAAAAAzMzMAAAAAABQAAAAUAAAAGQAAABkAAAAAAAAABcAAAAUAAAAAAAAAAAAAAD/fwAA/38AAAAAAAAJAAAABAAAAF8AYAAeAAAAaAAAAAAAAAAAAAAAAAAAAAAAAAAAAAAAECcAABAnAAAAAAAAAAAAAAAAAAAAAAAAAAAAAAAAAAAAAAAAAAAAABQAAAAAAAAAwMD/AAAAAABkAAAAMgAAAAAAAABkAAAAAAAAAH9/fwAKAAAAIgAAABgAAAAAAAAAAAAAAAAAAAAAAAAAAAAAAAAAAAAkAAAAJAAAAAAAAAAHAAAAAAAAAAAAAAAAAAAAAAAAAAAAAAAAAAAAf39/ACUAAABYAAAAAAAAAAAAAAAAAAAAAAAAAAAAAAAAAAAAAAAAAAAAAAAAAAAAAAAAAAAAAAA/AAAAAAAAAKCGAQAAAAAAAAAAAAAAAAAMAAAAAQAAAAAAAAAAAAAAAAAAAB8AAABUAAAAAAAABQAAAAEAAAAAAAAAAAAAAAAAAAAAAAAAAAAAAAAAAAAAAAAAAAAAAAJ/f38AAAAAA8zMzADAwP8Af39/AAAAAAAAAAAAAAAAAAAAAAAAAAAAIQAAABgAAAAUAAAAwAMAANgJAABARwAAsCUAABAAAAAmAAAACAAAAAAAAAAAAAAA"/>
+                <pr:smNativeData xmlns:pr="smNativeData" xmlns="smNativeData" val="SMDATA_15_msZJaRMAAAAlAAAAZAAAAA0AAAAAkAAAAEgAAACQAAAASAAAAAAAAAAAAAAAAAAAAAEAAABQAAAAAAAAAAAA4D8AAAAAAADgPwAAAAAAAOA/AAAAAAAA4D8AAAAAAADgPwAAAAAAAOA/AAAAAAAA4D8AAAAAAADgPwAAAAAAAOA/AAAAAAAA4D8CAAAAjAAAAAAAAAAAAAAAu+DjDP///wgAAAAAAAAAAAAAAAAAAAAAAAAAAAAAAAAAAAAAZAAAAAEAAABAAAAAAAAAAAAAAAAAAAAAAAAAAAAAAAAAAAAAAAAAAAAAAAAAAAAAAAAAAAAAAAAAAAAAAAAAAAAAAAAAAAAAAAAAAAAAAAAAAAAAAAAAAAAAAAAAAAAAFAAAADwAAAAAAAAAAAAAAAAAAAkUAAAAAQAAABQAAAAUAAAAFAAAAAEAAAAAAAAAZAAAAGQAAAAAAAAAZAAAAGQAAAAVAAAAYAAAAAAAAAAAAAAADwAAACADAAAAAAAAAAAAAAEAAACgMgAAVgcAAKr4//8BAAAAf39/AAEAAABkAAAAAAAAABQAAABAHwAAAAAAACYAAAAAAAAAwOD//wAAAAAmAAAAZAAAABYAAABMAAAAAAAAAAAAAAAEAAAAAAAAAAEAAACAgIAKAAAAACgAAAAoAAAAZAAAAGQAAAAAAAAAzMzMAAAAAABQAAAAUAAAAGQAAABkAAAAAAAAABcAAAAUAAAAAAAAAAAAAAD/fwAA/38AAAAAAAAJAAAABAAAAF8AYAAeAAAAaAAAAAAAAAAAAAAAAAAAAAAAAAAAAAAAECcAABAnAAAAAAAAAAAAAAAAAAAAAAAAAAAAAAAAAAAAAAAAAAAAABQAAAAAAAAAwMD/AAAAAABkAAAAMgAAAAAAAABkAAAAAAAAAH9/fwAKAAAAIgAAABgAAAAAAAAAAAAAAAAAAAAAAAAAAAAAAAAAAAAkAAAAJAAAAAAAAAAHAAAAAAAAAAAAAAAAAAAAAAAAAAAAAAAAAAAAf39/ACUAAABYAAAAAAAAAAAAAAAAAAAAAAAAAAAAAAAAAAAAAAAAAAAAAAAAAAAAAAAAAAAAAAA/AAAAAAAAAKCGAQAAAAAAAAAAAAAAAAAMAAAAAQAAAAAAAAAAAAAAAAAAAB8AAABUAAAAAAAABQAAAAEAAAAAAAAAAAAAAAAAAAAAAAAAAAAAAAAAAAAAAAAAAAAAAAJ/f38AAAAAA8zMzADAwP8Af39/AAAAAAAAAAAAAAAAAAAAAAAAAAAAIQAAABgAAAAUAAAAwAMAANgJAABARwAAsCUAABAAAAAmAAAACAAAAAAAAAAAAAAA"/>
               </a:ext>
             </a:extLst>
           </p:cNvSpPr>
@@ -5196,7 +5440,7 @@
             <a:spLocks noGrp="1" noChangeArrowheads="1"/>
             <a:extLst>
               <a:ext uri="smNativeData">
-                <pr:smNativeData xmlns:pr="smNativeData" xmlns="smNativeData" val="SMDATA_15_SSBGaRMAAAAlAAAAZAAAAA0AAAAAkAAAAEgAAACQAAAASAAAAAAAAAABAAAAAAAAAAEAAABQAAAAAAAAAAAA4D8AAAAAAADgPwAAAAAAAOA/AAAAAAAA4D8AAAAAAADgPwAAAAAAAOA/AAAAAAAA4D8AAAAAAADgPwAAAAAAAOA/AAAAAAAA4D8CAAAAjAAAAAAAAAAAAAAAu+DjDP///wgAAAAAAAAAAAAAAAAAAAAAAAAAAAAAAAAAAAAAZAAAAAEAAABAAAAAAAAAAAAAAAAAAAAAAAAAAAAAAAAAAAAAAAAAAAAAAAAAAAAAAAAAAAAAAAAAAAAAAAAAAAAAAAAAAAAAAAAAAAAAAAAAAAAAAAAAAAAAAAAAAAAAFAAAADwAAAAAAAAAAAAAAAAAAAkUAAAAAQAAABQAAAAUAAAAFAAAAAEAAAAAAAAAZAAAAGQAAAAAAAAAZAAAAGQAAAAVAAAAYAAAAAAAAAAAAAAADwAAACADAAAAAAAAAAAAAAEAAACgMgAAVgcAAKr4//8BAAAAf39/AAEAAABkAAAAAAAAABQAAABAHwAAAAAAACYAAAAAAAAAwOD//wAAAAAmAAAAZAAAABYAAABMAAAAAAAAAAAAAAAEAAAAAAAAAAEAAACAgIAKAAAAACgAAAAoAAAAZAAAAGQAAAAAAAAAzMzMAAAAAABQAAAAUAAAAGQAAABkAAAAAAAAABcAAAAUAAAAAAAAAAAAAAD/fwAA/38AAAAAAAAJAAAABAAAAAAAAAAeAAAAaAAAAAAAAAAAAAAAAAAAAAAAAAAAAAAAECcAABAnAAAAAAAAAAAAAAAAAAAAAAAAAAAAAAAAAAAAAAAAAAAAABQAAAAAAAAAwMD/AAAAAABkAAAAMgAAAAAAAABkAAAAAAAAAH9/fwAKAAAAIgAAABgAAAAAAAAAAAAAAAAAAAAAAAAAAAAAAAAAAAAkAAAAJAAAAAAAAAAHAAAAAAAAAAAAAAAAAAAAAAAAAAAAAAAAAAAAf39/ACUAAABYAAAAAAAAAAAAAAAAAAAAAAAAAAAAAAAAAAAAAAAAAAAAAAAAAAAAAAAAAAAAAAA/AAAAAAAAAKCGAQAAAAAAAAAAAAAAAAAMAAAAAQAAAAAAAAAAAAAAAAAAAB8AAABUAAAAAAAABQAAAAEAAAAAAAAAAAAAAAAAAAAAAAAAAAAAAAAAAAAAAAAAAAAAAAJ/f38AAAAAA8zMzADAwP8Af39/AAAAAAAAAAAAAAAAAAAAAAAAAAAAIQAAABgAAAAUAAAAwAMAALABAABARwAAuAgAABAAAAAmAAAACAAAAAAAAAAAAAAA"/>
+                <pr:smNativeData xmlns:pr="smNativeData" xmlns="smNativeData" val="SMDATA_15_msZJaRMAAAAlAAAAZAAAAA0AAAAAkAAAAEgAAACQAAAASAAAAAAAAAABAAAAAAAAAAEAAABQAAAAAAAAAAAA4D8AAAAAAADgPwAAAAAAAOA/AAAAAAAA4D8AAAAAAADgPwAAAAAAAOA/AAAAAAAA4D8AAAAAAADgPwAAAAAAAOA/AAAAAAAA4D8CAAAAjAAAAAAAAAAAAAAAu+DjDP///wgAAAAAAAAAAAAAAAAAAAAAAAAAAAAAAAAAAAAAZAAAAAEAAABAAAAAAAAAAAAAAAAAAAAAAAAAAAAAAAAAAAAAAAAAAAAAAAAAAAAAAAAAAAAAAAAAAAAAAAAAAAAAAAAAAAAAAAAAAAAAAAAAAAAAAAAAAAAAAAAAAAAAFAAAADwAAAAAAAAAAAAAAAAAAAkUAAAAAQAAABQAAAAUAAAAFAAAAAEAAAAAAAAAZAAAAGQAAAAAAAAAZAAAAGQAAAAVAAAAYAAAAAAAAAAAAAAADwAAACADAAAAAAAAAAAAAAEAAACgMgAAVgcAAKr4//8BAAAAf39/AAEAAABkAAAAAAAAABQAAABAHwAAAAAAACYAAAAAAAAAwOD//wAAAAAmAAAAZAAAABYAAABMAAAAAAAAAAAAAAAEAAAAAAAAAAEAAACAgIAKAAAAACgAAAAoAAAAZAAAAGQAAAAAAAAAzMzMAAAAAABQAAAAUAAAAGQAAABkAAAAAAAAABcAAAAUAAAAAAAAAAAAAAD/fwAA/38AAAAAAAAJAAAABAAAAAAAAAAeAAAAaAAAAAAAAAAAAAAAAAAAAAAAAAAAAAAAECcAABAnAAAAAAAAAAAAAAAAAAAAAAAAAAAAAAAAAAAAAAAAAAAAABQAAAAAAAAAwMD/AAAAAABkAAAAMgAAAAAAAABkAAAAAAAAAH9/fwAKAAAAIgAAABgAAAAAAAAAAAAAAAAAAAAAAAAAAAAAAAAAAAAkAAAAJAAAAAAAAAAHAAAAAAAAAAAAAAAAAAAAAAAAAAAAAAAAAAAAf39/ACUAAABYAAAAAAAAAAAAAAAAAAAAAAAAAAAAAAAAAAAAAAAAAAAAAAAAAAAAAAAAAAAAAAA/AAAAAAAAAKCGAQAAAAAAAAAAAAAAAAAMAAAAAQAAAAAAAAAAAAAAAAAAAB8AAABUAAAAAAAABQAAAAEAAAAAAAAAAAAAAAAAAAAAAAAAAAAAAAAAAAAAAAAAAAAAAAJ/f38AAAAAA8zMzADAwP8Af39/AAAAAAAAAAAAAAAAAAAAAAAAAAAAIQAAABgAAAAUAAAAwAMAALABAABARwAAuAgAABAAAAAmAAAACAAAAAAAAAAAAAAA"/>
               </a:ext>
             </a:extLst>
           </p:cNvSpPr>
@@ -5225,7 +5469,7 @@
             <a:spLocks noGrp="1" noChangeArrowheads="1"/>
             <a:extLst>
               <a:ext uri="smNativeData">
-                <pr:smNativeData xmlns:pr="smNativeData" xmlns="smNativeData" val="SMDATA_15_SSBGaRMAAAAlAAAAZAAAAA0AAAAAkAAAAEgAAACQAAAASAAAAAAAAAAAAAAAAAAAAAEAAABQAAAAAAAAAAAA4D8AAAAAAADgPwAAAAAAAOA/AAAAAAAA4D8AAAAAAADgPwAAAAAAAOA/AAAAAAAA4D8AAAAAAADgPwAAAAAAAOA/AAAAAAAA4D8CAAAAjAAAAAAAAAAAAAAAu+DjDP///wgAAAAAAAAAAAAAAAAAAAAAAAAAAAAAAAAAAAAAZAAAAAEAAABAAAAAAAAAAAAAAAAAAAAAAAAAAAAAAAAAAAAAAAAAAAAAAAAAAAAAAAAAAAAAAAAAAAAAAAAAAAAAAAAAAAAAAAAAAAAAAAAAAAAAAAAAAAAAAAAAAAAAFAAAADwAAAAAAAAAAAAAAAAAAAkUAAAAAQAAABQAAAAUAAAAFAAAAAEAAAAAAAAAZAAAAGQAAAAAAAAAZAAAAGQAAAAVAAAAYAAAAAAAAAAAAAAADwAAACADAAAAAAAAAAAAAAEAAACgMgAAVgcAAKr4//8BAAAAf39/AAEAAABkAAAAAAAAABQAAABAHwAAAAAAACYAAAAAAAAAwOD//wAAAAAmAAAAZAAAABYAAABMAAAAAAAAAAAAAAAEAAAAAAAAAAEAAACAgIAKAAAAACgAAAAoAAAAZAAAAGQAAAAAAAAAzMzMAAAAAABQAAAAUAAAAGQAAABkAAAAAAAAABcAAAAUAAAAAAAAAAAAAAD/fwAA/38AAAAAAAAJAAAABAAAAF8AYAAeAAAAaAAAAAAAAAAAAAAAAAAAAAAAAAAAAAAAECcAABAnAAAAAAAAAAAAAAAAAAAAAAAAAAAAAAAAAAAAAAAAAAAAABQAAAAAAAAAwMD/AAAAAABkAAAAMgAAAAAAAABkAAAAAAAAAH9/fwAKAAAAIgAAABgAAAAAAAAAAAAAAAAAAAAAAAAAAAAAAAAAAAAkAAAAJAAAAAAAAAAHAAAAAAAAAAAAAAAAAAAAAAAAAAAAAAAAAAAAf39/ACUAAABYAAAAAAAAAAAAAAAAAAAAAAAAAAAAAAAAAAAAAAAAAAAAAAAAAAAAAAAAAAAAAAA/AAAAAAAAAKCGAQAAAAAAAAAAAAAAAAAMAAAAAQAAAAAAAAAAAAAAAAAAAB8AAABUAAAAAAAABQAAAAEAAAAAAAAAAAAAAAAAAAAAAAAAAAAAAAAAAAAAAAAAAAAAAAJ/f38AAAAAA8zMzADAwP8Af39/AAAAAAAAAAAAAAAAAAAAAAAAAAAAIQAAABgAAAAUAAAAwAMAANgJAABARwAAchIAAAAAAAAmAAAACAAAAAEAAAAAAAAA"/>
+                <pr:smNativeData xmlns:pr="smNativeData" xmlns="smNativeData" val="SMDATA_15_msZJaRMAAAAlAAAAZAAAAA0AAAAAkAAAAEgAAACQAAAASAAAAAAAAAAAAAAAAAAAAAEAAABQAAAAAAAAAAAA4D8AAAAAAADgPwAAAAAAAOA/AAAAAAAA4D8AAAAAAADgPwAAAAAAAOA/AAAAAAAA4D8AAAAAAADgPwAAAAAAAOA/AAAAAAAA4D8CAAAAjAAAAAAAAAAAAAAAu+DjDP///wgAAAAAAAAAAAAAAAAAAAAAAAAAAAAAAAAAAAAAZAAAAAEAAABAAAAAAAAAAAAAAAAAAAAAAAAAAAAAAAAAAAAAAAAAAAAAAAAAAAAAAAAAAAAAAAAAAAAAAAAAAAAAAAAAAAAAAAAAAAAAAAAAAAAAAAAAAAAAAAAAAAAAFAAAADwAAAAAAAAAAAAAAAAAAAkUAAAAAQAAABQAAAAUAAAAFAAAAAEAAAAAAAAAZAAAAGQAAAAAAAAAZAAAAGQAAAAVAAAAYAAAAAAAAAAAAAAADwAAACADAAAAAAAAAAAAAAEAAACgMgAAVgcAAKr4//8BAAAAf39/AAEAAABkAAAAAAAAABQAAABAHwAAAAAAACYAAAAAAAAAwOD//wAAAAAmAAAAZAAAABYAAABMAAAAAAAAAAAAAAAEAAAAAAAAAAEAAACAgIAKAAAAACgAAAAoAAAAZAAAAGQAAAAAAAAAzMzMAAAAAABQAAAAUAAAAGQAAABkAAAAAAAAABcAAAAUAAAAAAAAAAAAAAD/fwAA/38AAAAAAAAJAAAABAAAAF8AYAAeAAAAaAAAAAAAAAAAAAAAAAAAAAAAAAAAAAAAECcAABAnAAAAAAAAAAAAAAAAAAAAAAAAAAAAAAAAAAAAAAAAAAAAABQAAAAAAAAAwMD/AAAAAABkAAAAMgAAAAAAAABkAAAAAAAAAH9/fwAKAAAAIgAAABgAAAAAAAAAAAAAAAAAAAAAAAAAAAAAAAAAAAAkAAAAJAAAAAAAAAAHAAAAAAAAAAAAAAAAAAAAAAAAAAAAAAAAAAAAf39/ACUAAABYAAAAAAAAAAAAAAAAAAAAAAAAAAAAAAAAAAAAAAAAAAAAAAAAAAAAAAAAAAAAAAA/AAAAAAAAAKCGAQAAAAAAAAAAAAAAAAAMAAAAAQAAAAAAAAAAAAAAAAAAAB8AAABUAAAAAAAABQAAAAEAAAAAAAAAAAAAAAAAAAAAAAAAAAAAAAAAAAAAAAAAAAAAAAJ/f38AAAAAA8zMzADAwP8Af39/AAAAAAAAAAAAAAAAAAAAAAAAAAAAIQAAABgAAAAUAAAAwAMAANgJAABARwAAchIAABAAAAAmAAAACAAAAAEAAAAAAAAA"/>
               </a:ext>
             </a:extLst>
           </p:cNvSpPr>
@@ -5315,7 +5559,7 @@
             <a:spLocks noGrp="1" noChangeArrowheads="1"/>
             <a:extLst>
               <a:ext uri="smNativeData">
-                <pr:smNativeData xmlns:pr="smNativeData" xmlns="smNativeData" val="SMDATA_15_SSBGaRMAAAAlAAAAZAAAAA0AAAAAkAAAAEgAAACQAAAASAAAAAAAAAABAAAAAAAAAAEAAABQAAAAAAAAAAAA4D8AAAAAAADgPwAAAAAAAOA/AAAAAAAA4D8AAAAAAADgPwAAAAAAAOA/AAAAAAAA4D8AAAAAAADgPwAAAAAAAOA/AAAAAAAA4D8CAAAAjAAAAAAAAAAAAAAAu+DjDP///wgAAAAAAAAAAAAAAAAAAAAAAAAAAAAAAAAAAAAAZAAAAAEAAABAAAAAAAAAAAAAAAAAAAAAAAAAAAAAAAAAAAAAAAAAAAAAAAAAAAAAAAAAAAAAAAAAAAAAAAAAAAAAAAAAAAAAAAAAAAAAAAAAAAAAAAAAAAAAAAAAAAAAFAAAADwAAAAAAAAAAAAAAAAAAAkUAAAAAQAAABQAAAAUAAAAFAAAAAEAAAAAAAAAZAAAAGQAAAAAAAAAZAAAAGQAAAAVAAAAYAAAAAAAAAAAAAAADwAAACADAAAAAAAAAAAAAAEAAACgMgAAVgcAAKr4//8BAAAAf39/AAEAAABkAAAAAAAAABQAAABAHwAAAAAAACYAAAAAAAAAwOD//wAAAAAmAAAAZAAAABYAAABMAAAAAAAAAAAAAAAEAAAAAAAAAAEAAACAgIAKAAAAACgAAAAoAAAAZAAAAGQAAAAAAAAAzMzMAAAAAABQAAAAUAAAAGQAAABkAAAAAAAAABcAAAAUAAAAAAAAAAAAAAD/fwAA/38AAAAAAAAJAAAABAAAAAAAAAAeAAAAaAAAAAAAAAAAAAAAAAAAAAAAAAAAAAAAECcAABAnAAAAAAAAAAAAAAAAAAAAAAAAAAAAAAAAAAAAAAAAAAAAABQAAAAAAAAAwMD/AAAAAABkAAAAMgAAAAAAAABkAAAAAAAAAH9/fwAKAAAAIgAAABgAAAAAAAAAAAAAAAAAAAAAAAAAAAAAAAAAAAAkAAAAJAAAAAAAAAAHAAAAAAAAAAAAAAAAAAAAAAAAAAAAAAAAAAAAf39/ACUAAABYAAAAAAAAAAAAAAAAAAAAAAAAAAAAAAAAAAAAAAAAAAAAAAAAAAAAAAAAAAAAAAA/AAAAAAAAAKCGAQAAAAAAAAAAAAAAAAAMAAAAAQAAAAAAAAAAAAAAAAAAAB8AAABUAAAAAAAABQAAAAEAAAAAAAAAAAAAAAAAAAAAAAAAAAAAAAAAAAAAAAAAAAAAAAJ/f38AAAAAA8zMzADAwP8Af39/AAAAAAAAAAAAAAAAAAAAAAAAAAAAIQAAABgAAAAUAAAAwAMAABsnAAA/FQAAWSkAABAAAAAmAAAACAAAAAAAAAAAAAAA"/>
+                <pr:smNativeData xmlns:pr="smNativeData" xmlns="smNativeData" val="SMDATA_15_msZJaRMAAAAlAAAAZAAAAA0AAAAAkAAAAEgAAACQAAAASAAAAAAAAAABAAAAAAAAAAEAAABQAAAAAAAAAAAA4D8AAAAAAADgPwAAAAAAAOA/AAAAAAAA4D8AAAAAAADgPwAAAAAAAOA/AAAAAAAA4D8AAAAAAADgPwAAAAAAAOA/AAAAAAAA4D8CAAAAjAAAAAAAAAAAAAAAu+DjDP///wgAAAAAAAAAAAAAAAAAAAAAAAAAAAAAAAAAAAAAZAAAAAEAAABAAAAAAAAAAAAAAAAAAAAAAAAAAAAAAAAAAAAAAAAAAAAAAAAAAAAAAAAAAAAAAAAAAAAAAAAAAAAAAAAAAAAAAAAAAAAAAAAAAAAAAAAAAAAAAAAAAAAAFAAAADwAAAAAAAAAAAAAAAAAAAkUAAAAAQAAABQAAAAUAAAAFAAAAAEAAAAAAAAAZAAAAGQAAAAAAAAAZAAAAGQAAAAVAAAAYAAAAAAAAAAAAAAADwAAACADAAAAAAAAAAAAAAEAAACgMgAAVgcAAKr4//8BAAAAf39/AAEAAABkAAAAAAAAABQAAABAHwAAAAAAACYAAAAAAAAAwOD//wAAAAAmAAAAZAAAABYAAABMAAAAAAAAAAAAAAAEAAAAAAAAAAEAAACAgIAKAAAAACgAAAAoAAAAZAAAAGQAAAAAAAAAzMzMAAAAAABQAAAAUAAAAGQAAABkAAAAAAAAABcAAAAUAAAAAAAAAAAAAAD/fwAA/38AAAAAAAAJAAAABAAAAAAAAAAeAAAAaAAAAAAAAAAAAAAAAAAAAAAAAAAAAAAAECcAABAnAAAAAAAAAAAAAAAAAAAAAAAAAAAAAAAAAAAAAAAAAAAAABQAAAAAAAAAwMD/AAAAAABkAAAAMgAAAAAAAABkAAAAAAAAAH9/fwAKAAAAIgAAABgAAAAAAAAAAAAAAAAAAAAAAAAAAAAAAAAAAAAkAAAAJAAAAAAAAAAHAAAAAAAAAAAAAAAAAAAAAAAAAAAAAAAAAAAAf39/ACUAAABYAAAAAAAAAAAAAAAAAAAAAAAAAAAAAAAAAAAAAAAAAAAAAAAAAAAAAAAAAAAAAAA/AAAAAAAAAKCGAQAAAAAAAAAAAAAAAAAMAAAAAQAAAAAAAAAAAAAAAAAAAB8AAABUAAAAAAAABQAAAAEAAAAAAAAAAAAAAAAAAAAAAAAAAAAAAAAAAAAAAAAAAAAAAAJ/f38AAAAAA8zMzADAwP8Af39/AAAAAAAAAAAAAAAAAAAAAAAAAAAAIQAAABgAAAAUAAAAwAMAABsnAAA/FQAAWSkAABAAAAAmAAAACAAAAAAAAAAAAAAA"/>
               </a:ext>
             </a:extLst>
           </p:cNvSpPr>
@@ -5329,9 +5573,9 @@
           <a:lstStyle/>
           <a:p>
             <a:pPr/>
-            <a:fld id="{1B0EF0A2-ECF6-5B06-B8B6-1A53BEF84E4F}" type="datetime1">
+            <a:fld id="{0DCF02C5-8BE0-9AF4-AE77-7DA14C395828}" type="datetime1">
               <a:rPr lang="en-us" cap="none"/>
-              <a:t>12/19/2025</a:t>
+              <a:t>12/22/2025</a:t>
             </a:fld>
             <a:endParaRPr lang="en-us" cap="none"/>
           </a:p>
@@ -5344,7 +5588,7 @@
             <a:spLocks noGrp="1" noChangeArrowheads="1"/>
             <a:extLst>
               <a:ext uri="smNativeData">
-                <pr:smNativeData xmlns:pr="smNativeData" xmlns="smNativeData" val="SMDATA_15_SSBGaRMAAAAlAAAAZAAAAA0AAAAAkAAAAEgAAACQAAAASAAAAAAAAAABAAAAAAAAAAEAAABQAAAAAAAAAAAA4D8AAAAAAADgPwAAAAAAAOA/AAAAAAAA4D8AAAAAAADgPwAAAAAAAOA/AAAAAAAA4D8AAAAAAADgPwAAAAAAAOA/AAAAAAAA4D8CAAAAjAAAAAAAAAAAAAAAu+DjDP///wgAAAAAAAAAAAAAAAAAAAAAAAAAAAAAAAAAAAAAZAAAAAEAAABAAAAAAAAAAAAAAAAAAAAAAAAAAAAAAAAAAAAAAAAAAAAAAAAAAAAAAAAAAAAAAAAAAAAAAAAAAAAAAAAAAAAAAAAAAAAAAAAAAAAAAAAAAAAAAAAAAAAAFAAAADwAAAAAAAAAAAAAAAAAAAkUAAAAAQAAABQAAAAUAAAAFAAAAAEAAAAAAAAAZAAAAGQAAAAAAAAAZAAAAGQAAAAVAAAAYAAAAAAAAAAAAAAADwAAACADAAAAAAAAAAAAAAEAAACgMgAAVgcAAKr4//8BAAAAf39/AAEAAABkAAAAAAAAABQAAABAHwAAAAAAACYAAAAAAAAAwOD//wAAAAAmAAAAZAAAABYAAABMAAAAAAAAAAAAAAAEAAAAAAAAAAEAAACAgIAKAAAAACgAAAAoAAAAZAAAAGQAAAAAAAAAzMzMAAAAAABQAAAAUAAAAGQAAABkAAAAAAAAABcAAAAUAAAAAAAAAAAAAAD/fwAA/38AAAAAAAAJAAAABAAAAPcgBUUeAAAAaAAAAAAAAAAAAAAAAAAAAAAAAAAAAAAAECcAABAnAAAAAAAAAAAAAAAAAAAAAAAAAAAAAAAAAAAAAAAAAAAAABQAAAAAAAAAwMD/AAAAAABkAAAAMgAAAAAAAABkAAAAAAAAAH9/fwAKAAAAIgAAABgAAAAAAAAAAAAAAAAAAAAAAAAAAAAAAAAAAAAkAAAAJAAAAAAAAAAHAAAAAAAAAAAAAAAAAAAAAAAAAAAAAAAAAAAAf39/ACUAAABYAAAAAAAAAAAAAAAAAAAAAAAAAAAAAAAAAAAAAAAAAAAAAAAAAAAAAAAAAAAAAAA/AAAAAAAAAKCGAQAAAAAAAAAAAAAAAAAMAAAAAQAAAAAAAAAAAAAAAAAAAB8AAABUAAAAAAAABQAAAAEAAAAAAAAAAAAAAAAAAAAAAAAAAAAAAAAAAAAAAAAAAAAAAAJ/f38AAAAAA8zMzADAwP8Af39/AAAAAAAAAAAAAAAAAAAAAAAAAAAAIQAAABgAAAAUAAAAwTUAABsnAABARwAAWSkAABAAAAAmAAAACAAAAAAAAAAAAAAA"/>
+                <pr:smNativeData xmlns:pr="smNativeData" xmlns="smNativeData" val="SMDATA_15_msZJaRMAAAAlAAAAZAAAAA0AAAAAkAAAAEgAAACQAAAASAAAAAAAAAABAAAAAAAAAAEAAABQAAAAAAAAAAAA4D8AAAAAAADgPwAAAAAAAOA/AAAAAAAA4D8AAAAAAADgPwAAAAAAAOA/AAAAAAAA4D8AAAAAAADgPwAAAAAAAOA/AAAAAAAA4D8CAAAAjAAAAAAAAAAAAAAAu+DjDP///wgAAAAAAAAAAAAAAAAAAAAAAAAAAAAAAAAAAAAAZAAAAAEAAABAAAAAAAAAAAAAAAAAAAAAAAAAAAAAAAAAAAAAAAAAAAAAAAAAAAAAAAAAAAAAAAAAAAAAAAAAAAAAAAAAAAAAAAAAAAAAAAAAAAAAAAAAAAAAAAAAAAAAFAAAADwAAAAAAAAAAAAAAAAAAAkUAAAAAQAAABQAAAAUAAAAFAAAAAEAAAAAAAAAZAAAAGQAAAAAAAAAZAAAAGQAAAAVAAAAYAAAAAAAAAAAAAAADwAAACADAAAAAAAAAAAAAAEAAACgMgAAVgcAAKr4//8BAAAAf39/AAEAAABkAAAAAAAAABQAAABAHwAAAAAAACYAAAAAAAAAwOD//wAAAAAmAAAAZAAAABYAAABMAAAAAAAAAAAAAAAEAAAAAAAAAAEAAACAgIAKAAAAACgAAAAoAAAAZAAAAGQAAAAAAAAAzMzMAAAAAABQAAAAUAAAAGQAAABkAAAAAAAAABcAAAAUAAAAAAAAAAAAAAD/fwAA/38AAAAAAAAJAAAABAAAAPcgBUUeAAAAaAAAAAAAAAAAAAAAAAAAAAAAAAAAAAAAECcAABAnAAAAAAAAAAAAAAAAAAAAAAAAAAAAAAAAAAAAAAAAAAAAABQAAAAAAAAAwMD/AAAAAABkAAAAMgAAAAAAAABkAAAAAAAAAH9/fwAKAAAAIgAAABgAAAAAAAAAAAAAAAAAAAAAAAAAAAAAAAAAAAAkAAAAJAAAAAAAAAAHAAAAAAAAAAAAAAAAAAAAAAAAAAAAAAAAAAAAf39/ACUAAABYAAAAAAAAAAAAAAAAAAAAAAAAAAAAAAAAAAAAAAAAAAAAAAAAAAAAAAAAAAAAAAA/AAAAAAAAAKCGAQAAAAAAAAAAAAAAAAAMAAAAAQAAAAAAAAAAAAAAAAAAAB8AAABUAAAAAAAABQAAAAEAAAAAAAAAAAAAAAAAAAAAAAAAAAAAAAAAAAAAAAAAAAAAAAJ/f38AAAAAA8zMzADAwP8Af39/AAAAAAAAAAAAAAAAAAAAAAAAAAAAIQAAABgAAAAUAAAAwTUAABsnAABARwAAWSkAABAAAAAmAAAACAAAAAAAAAAAAAAA"/>
               </a:ext>
             </a:extLst>
           </p:cNvSpPr>
@@ -5358,7 +5602,7 @@
           <a:lstStyle/>
           <a:p>
             <a:pPr/>
-            <a:fld id="{1B0EFC87-C9F6-5B0A-B8B6-3F5FB2F84E6A}" type="slidenum">
+            <a:fld id="{0DCF7C6B-25E0-9A8A-AE77-D3DF32395886}" type="slidenum">
               <a:rPr lang="en-us" cap="none"/>
               <a:t>8</a:t>
             </a:fld>
@@ -5372,7 +5616,7 @@
           <p:cNvSpPr>
             <a:extLst>
               <a:ext uri="smNativeData">
-                <pr:smNativeData xmlns:pr="smNativeData" xmlns="smNativeData" val="SMDATA_15_SSBGaRMAAAAlAAAAZAAAAE0AAAAAkAAAAEgAAACQAAAASAAAAAAAAAAAAAAAAAAAAAEAAABQAAAAAAAAAAAA4D8AAAAAAADgPwAAAAAAAOA/AAAAAAAA4D8AAAAAAADgPwAAAAAAAOA/AAAAAAAA4D8AAAAAAADgPwAAAAAAAOA/AAAAAAAA4D8CAAAAjAAAAAAAAAAAAAAAu+DjDP///wgAAAAAAAAAAAAAAAAAAAAAAAAAAAAAAAAAAAAAZAAAAAEAAABAAAAAAAAAAAAAAAAAAAAAAAAAAAAAAAAAAAAAAAAAAAAAAAAAAAAAAAAAAAAAAAAAAAAAAAAAAAAAAAAAAAAAAAAAAAAAAAAAAAAAAAAAAAAAAAAAAAAAFAAAADwAAAAAAAAAAAAAAAAAAAAPAAAAAQAAACMAAAAjAAAAIwAAAB4AAAAAAAAAZAAAAGQAAAAAAAAAZAAAAGQAAAAVAAAAYAAAAAAAAAAAAAAADwAAACADAAAAAAAAAAAAAAEAAACgMgAAVgcAAKr4//8BAAAAf39/AAEAAABkAAAAAAAAABQAAABAHwAAAAAAACYAAAAAAAAAwOD//wAAAAAmAAAAZAAAABYAAABMAAAAAAAAAAAAAAAEAAAAAAAAAAEAAACAgIAKAAAAACgAAAAoAAAAZAAAAGQAAAAAAAAAzMzMAAAAAABQAAAAUAAAAGQAAABkAAAAAAAAABcAAAAUAAAAAAAAAAAAAAD/fwAA/38AAAAAAAAJAAAABAAAAF8AYAAeAAAAaAAAAAAAAAAAAAAAAAAAAAAAAAAAAAAAECcAABAnAAAAAAAAAAAAAAAAAAAAAAAAAAAAAAAAAAAAAAAAAAAAABQAAAAAAAAAwMD/AAAAAABkAAAAMgAAAAAAAABkAAAAAAAAAH9/fwAKAAAAIgAAABgAAAAAAAAAAAAAAAAAAAAAAAAAAAAAAAAAAAAkAAAAJAAAAAAAAAAHAAAAAAAAAAAAAAAAAAAAAAAAAAAAAAAAAAAAf39/ACUAAABYAAAAAAAAAAAAAAAAAAAAAAAAAAAAAAAAAAAAAAAAAAAAAAAAAAAAAAAAAAAAAAA/AAAAAAAAAKCGAQAAAAAAAAAAAAAAAAAMAAAAAQAAAAAAAAAAAAAAAAAAAB8AAABUAAAAu+DjBf///wEAAAAAAAAAAAAAAAAAAAAAAAAAAAAAAAAAAAAAAAAAAAAAAAB/f38AgICAA8zMzADAwP8Af39/AAAAAAAAAAAAAAAAAAAAAAAAAAAAIQAAABgAAAAUAAAA1gQAAEYbAABwJAAAESYAABAgAAAmAAAACAAAAP//////////"/>
+                <pr:smNativeData xmlns:pr="smNativeData" xmlns="smNativeData" val="SMDATA_15_msZJaRMAAAAlAAAAZAAAAE0AAAAAkAAAAEgAAACQAAAASAAAAAAAAAAAAAAAAAAAAAEAAABQAAAAAAAAAAAA4D8AAAAAAADgPwAAAAAAAOA/AAAAAAAA4D8AAAAAAADgPwAAAAAAAOA/AAAAAAAA4D8AAAAAAADgPwAAAAAAAOA/AAAAAAAA4D8CAAAAjAAAAAAAAAAAAAAAu+DjDP///wgAAAAAAAAAAAAAAAAAAAAAAAAAAAAAAAAAAAAAZAAAAAEAAABAAAAAAAAAAAAAAAAAAAAAAAAAAAAAAAAAAAAAAAAAAAAAAAAAAAAAAAAAAAAAAAAAAAAAAAAAAAAAAAAAAAAAAAAAAAAAAAAAAAAAAAAAAAAAAAAAAAAAFAAAADwAAAAAAAAAAAAAAAAAAAAPAAAAAQAAACMAAAAjAAAAIwAAAB4AAAAAAAAAZAAAAGQAAAAAAAAAZAAAAGQAAAAVAAAAYAAAAAAAAAAAAAAADwAAACADAAAAAAAAAAAAAAEAAACgMgAAVgcAAKr4//8BAAAAf39/AAEAAABkAAAAAAAAABQAAABAHwAAAAAAACYAAAAAAAAAwOD//wAAAAAmAAAAZAAAABYAAABMAAAAAAAAAAAAAAAEAAAAAAAAAAEAAACAgIAKAAAAACgAAAAoAAAAZAAAAGQAAAAAAAAAzMzMAAAAAABQAAAAUAAAAGQAAABkAAAAAAAAABcAAAAUAAAAAAAAAAAAAAD/fwAA/38AAAAAAAAJAAAABAAAAF8AYAAeAAAAaAAAAAAAAAAAAAAAAAAAAAAAAAAAAAAAECcAABAnAAAAAAAAAAAAAAAAAAAAAAAAAAAAAAAAAAAAAAAAAAAAABQAAAAAAAAAwMD/AAAAAABkAAAAMgAAAAAAAABkAAAAAAAAAH9/fwAKAAAAIgAAABgAAAAAAAAAAAAAAAAAAAAAAAAAAAAAAAAAAAAkAAAAJAAAAAAAAAAHAAAAAAAAAAAAAAAAAAAAAAAAAAAAAAAAAAAAf39/ACUAAABYAAAAAAAAAAAAAAAAAAAAAAAAAAAAAAAAAAAAAAAAAAAAAAAAAAAAAAAAAAAAAAA/AAAAAAAAAKCGAQAAAAAAAAAAAAAAAAAMAAAAAQAAAAAAAAAAAAAAAAAAAB8AAABUAAAAu+DjBf///wEAAAAAAAAAAAAAAAAAAAAAAAAAAAAAAAAAAAAAAAAAAAAAAAB/f38AgICAA8zMzADAwP8Af39/AAAAAAAAAAAAAAAAAAAAAAAAAAAAIQAAABgAAAAUAAAA1gQAAEYbAABwJAAAESYAABAgAAAmAAAACAAAAP//////////"/>
               </a:ext>
             </a:extLst>
           </p:cNvSpPr>
@@ -5484,7 +5728,7 @@
             <a:spLocks noGrp="1" noChangeArrowheads="1"/>
             <a:extLst>
               <a:ext uri="smNativeData">
-                <pr:smNativeData xmlns:pr="smNativeData" xmlns="smNativeData" val="SMDATA_15_SSBGaRMAAAAlAAAAZAAAAA0AAAAAkAAAAEgAAACQAAAASAAAAAAAAAABAAAAAAAAAAEAAABQAAAAAAAAAAAA4D8AAAAAAADgPwAAAAAAAOA/AAAAAAAA4D8AAAAAAADgPwAAAAAAAOA/AAAAAAAA4D8AAAAAAADgPwAAAAAAAOA/AAAAAAAA4D8CAAAAjAAAAAAAAAAAAAAAu+DjDP///wgAAAAAAAAAAAAAAAAAAAAAAAAAAAAAAAAAAAAAZAAAAAEAAABAAAAAAAAAAAAAAAAAAAAAAAAAAAAAAAAAAAAAAAAAAAAAAAAAAAAAAAAAAAAAAAAAAAAAAAAAAAAAAAAAAAAAAAAAAAAAAAAAAAAAAAAAAAAAAAAAAAAAFAAAADwAAAAAAAAAAAAAAAAAAAkUAAAAAQAAABQAAAAUAAAAFAAAAAEAAAAAAAAAZAAAAGQAAAAAAAAAZAAAAGQAAAAVAAAAYAAAAAAAAAAAAAAADwAAACADAAAAAAAAAAAAAAEAAACgMgAAVgcAAKr4//8BAAAAf39/AAEAAABkAAAAAAAAABQAAABAHwAAAAAAACYAAAAAAAAAwOD//wAAAAAmAAAAZAAAABYAAABMAAAAAAAAAAAAAAAEAAAAAAAAAAEAAACAgIAKAAAAACgAAAAoAAAAZAAAAGQAAAAAAAAAzMzMAAAAAABQAAAAUAAAAGQAAABkAAAAAAAAABcAAAAUAAAAAAAAAAAAAAD/fwAA/38AAAAAAAAJAAAABAAAAF8AYAAeAAAAaAAAAAAAAAAAAAAAAAAAAAAAAAAAAAAAECcAABAnAAAAAAAAAAAAAAAAAAAAAAAAAAAAAAAAAAAAAAAAAAAAABQAAAAAAAAAwMD/AAAAAABkAAAAMgAAAAAAAABkAAAAAAAAAH9/fwAKAAAAIgAAABgAAAAAAAAAAAAAAAAAAAAAAAAAAAAAAAAAAAAkAAAAJAAAAAAAAAAHAAAAAAAAAAAAAAAAAAAAAAAAAAAAAAAAAAAAf39/ACUAAABYAAAAAAAAAAAAAAAAAAAAAAAAAAAAAAAAAAAAAAAAAAAAAAAAAAAAAAAAAAAAAAA/AAAAAAAAAKCGAQAAAAAAAAAAAAAAAAAMAAAAAQAAAAAAAAAAAAAAAAAAAB8AAABUAAAAAAAABQAAAAEAAAAAAAAAAAAAAAAAAAAAAAAAAAAAAAAAAAAAAAAAAAAAAAJ/f38AAAAAA8zMzADAwP8Af39/AAAAAAAAAAAAAAAAAAAAAAAAAAAAIQAAABgAAAAUAAAAwAMAALABAABARwAAuAgAABAAAAAmAAAACAAAAAAAAAAAAAAA"/>
+                <pr:smNativeData xmlns:pr="smNativeData" xmlns="smNativeData" val="SMDATA_15_msZJaRMAAAAlAAAAZAAAAA0AAAAAkAAAAEgAAACQAAAASAAAAAAAAAABAAAAAAAAAAEAAABQAAAAAAAAAAAA4D8AAAAAAADgPwAAAAAAAOA/AAAAAAAA4D8AAAAAAADgPwAAAAAAAOA/AAAAAAAA4D8AAAAAAADgPwAAAAAAAOA/AAAAAAAA4D8CAAAAjAAAAAAAAAAAAAAAu+DjDP///wgAAAAAAAAAAAAAAAAAAAAAAAAAAAAAAAAAAAAAZAAAAAEAAABAAAAAAAAAAAAAAAAAAAAAAAAAAAAAAAAAAAAAAAAAAAAAAAAAAAAAAAAAAAAAAAAAAAAAAAAAAAAAAAAAAAAAAAAAAAAAAAAAAAAAAAAAAAAAAAAAAAAAFAAAADwAAAAAAAAAAAAAAAAAAAkUAAAAAQAAABQAAAAUAAAAFAAAAAEAAAAAAAAAZAAAAGQAAAAAAAAAZAAAAGQAAAAVAAAAYAAAAAAAAAAAAAAADwAAACADAAAAAAAAAAAAAAEAAACgMgAAVgcAAKr4//8BAAAAf39/AAEAAABkAAAAAAAAABQAAABAHwAAAAAAACYAAAAAAAAAwOD//wAAAAAmAAAAZAAAABYAAABMAAAAAAAAAAAAAAAEAAAAAAAAAAEAAACAgIAKAAAAACgAAAAoAAAAZAAAAGQAAAAAAAAAzMzMAAAAAABQAAAAUAAAAGQAAABkAAAAAAAAABcAAAAUAAAAAAAAAAAAAAD/fwAA/38AAAAAAAAJAAAABAAAAF8AYAAeAAAAaAAAAAAAAAAAAAAAAAAAAAAAAAAAAAAAECcAABAnAAAAAAAAAAAAAAAAAAAAAAAAAAAAAAAAAAAAAAAAAAAAABQAAAAAAAAAwMD/AAAAAABkAAAAMgAAAAAAAABkAAAAAAAAAH9/fwAKAAAAIgAAABgAAAAAAAAAAAAAAAAAAAAAAAAAAAAAAAAAAAAkAAAAJAAAAAAAAAAHAAAAAAAAAAAAAAAAAAAAAAAAAAAAAAAAAAAAf39/ACUAAABYAAAAAAAAAAAAAAAAAAAAAAAAAAAAAAAAAAAAAAAAAAAAAAAAAAAAAAAAAAAAAAA/AAAAAAAAAKCGAQAAAAAAAAAAAAAAAAAMAAAAAQAAAAAAAAAAAAAAAAAAAB8AAABUAAAAAAAABQAAAAEAAAAAAAAAAAAAAAAAAAAAAAAAAAAAAAAAAAAAAAAAAAAAAAJ/f38AAAAAA8zMzADAwP8Af39/AAAAAAAAAAAAAAAAAAAAAAAAAAAAIQAAABgAAAAUAAAAwAMAALABAABARwAAuAgAABAAAAAmAAAACAAAAAAAAAAAAAAA"/>
               </a:ext>
             </a:extLst>
           </p:cNvSpPr>
@@ -5513,7 +5757,7 @@
             <a:spLocks noGrp="1" noChangeArrowheads="1"/>
             <a:extLst>
               <a:ext uri="smNativeData">
-                <pr:smNativeData xmlns:pr="smNativeData" xmlns="smNativeData" val="SMDATA_15_SSBGaRMAAAAlAAAAZAAAAA0AAAAAkAAAAEgAAACQAAAASAAAAAAAAAAAAAAAAAAAAAEAAABQAAAAAAAAAAAA4D8AAAAAAADgPwAAAAAAAOA/AAAAAAAA4D8AAAAAAADgPwAAAAAAAOA/AAAAAAAA4D8AAAAAAADgPwAAAAAAAOA/AAAAAAAA4D8CAAAAjAAAAAAAAAAAAAAAu+DjDP///wgAAAAAAAAAAAAAAAAAAAAAAAAAAAAAAAAAAAAAZAAAAAEAAABAAAAAAAAAAAAAAAAAAAAAAAAAAAAAAAAAAAAAAAAAAAAAAAAAAAAAAAAAAAAAAAAAAAAAAAAAAAAAAAAAAAAAAAAAAAAAAAAAAAAAAAAAAAAAAAAAAAAAFAAAADwAAAAAAAAAAAAAAAAAAAkUAAAAAQAAABQAAAAUAAAAFAAAAAEAAAAAAAAAZAAAAGQAAAAAAAAAZAAAAGQAAAAVAAAAYAAAAAAAAAAAAAAADwAAACADAAAAAAAAAAAAAAEAAACgMgAAVgcAAKr4//8BAAAAf39/AAEAAABkAAAAAAAAABQAAABAHwAAAAAAACYAAAAAAAAAwOD//wAAAAAmAAAAZAAAABYAAABMAAAAAAAAAAAAAAAEAAAAAAAAAAEAAACAgIAKAAAAACgAAAAoAAAAZAAAAGQAAAAAAAAAzMzMAAAAAABQAAAAUAAAAGQAAABkAAAAAAAAABcAAAAUAAAAAAAAAAAAAAD/fwAA/38AAAAAAAAJAAAABAAAAF8AYAAeAAAAaAAAAAAAAAAAAAAAAAAAAAAAAAAAAAAAECcAABAnAAAAAAAAAAAAAAAAAAAAAAAAAAAAAAAAAAAAAAAAAAAAABQAAAAAAAAAwMD/AAAAAABkAAAAMgAAAAAAAABkAAAAAAAAAH9/fwAKAAAAIgAAABgAAAAAAAAAAAAAAAAAAAAAAAAAAAAAAAAAAAAkAAAAJAAAAAAAAAAHAAAAAAAAAAAAAAAAAAAAAAAAAAAAAAAAAAAAf39/ACUAAABYAAAAAAAAAAAAAAAAAAAAAAAAAAAAAAAAAAAAAAAAAAAAAAAAAAAAAAAAAAAAAAA/AAAAAAAAAKCGAQAAAAAAAAAAAAAAAAAMAAAAAQAAAAAAAAAAAAAAAAAAAB8AAABUAAAAAAAABQAAAAEAAAAAAAAAAAAAAAAAAAAAAAAAAAAAAAAAAAAAAAAAAAAAAAJ/f38AAAAAA8zMzADAwP8Af39/AAAAAAAAAAAAAAAAAAAAAAAAAAAAIQAAABgAAAAUAAAAwAMAANgJAABARwAAsCUAAAAAAAAmAAAACAAAAAEAAAAAAAAA"/>
+                <pr:smNativeData xmlns:pr="smNativeData" xmlns="smNativeData" val="SMDATA_15_msZJaRMAAAAlAAAAZAAAAA0AAAAAkAAAAEgAAACQAAAASAAAAAAAAAAAAAAAAAAAAAEAAABQAAAAAAAAAAAA4D8AAAAAAADgPwAAAAAAAOA/AAAAAAAA4D8AAAAAAADgPwAAAAAAAOA/AAAAAAAA4D8AAAAAAADgPwAAAAAAAOA/AAAAAAAA4D8CAAAAjAAAAAAAAAAAAAAAu+DjDP///wgAAAAAAAAAAAAAAAAAAAAAAAAAAAAAAAAAAAAAZAAAAAEAAABAAAAAAAAAAAAAAAAAAAAAAAAAAAAAAAAAAAAAAAAAAAAAAAAAAAAAAAAAAAAAAAAAAAAAAAAAAAAAAAAAAAAAAAAAAAAAAAAAAAAAAAAAAAAAAAAAAAAAFAAAADwAAAAAAAAAAAAAAAAAAAkUAAAAAQAAABQAAAAUAAAAFAAAAAEAAAAAAAAAZAAAAGQAAAAAAAAAZAAAAGQAAAAVAAAAYAAAAAAAAAAAAAAADwAAACADAAAAAAAAAAAAAAEAAACgMgAAVgcAAKr4//8BAAAAf39/AAEAAABkAAAAAAAAABQAAABAHwAAAAAAACYAAAAAAAAAwOD//wAAAAAmAAAAZAAAABYAAABMAAAAAAAAAAAAAAAEAAAAAAAAAAEAAACAgIAKAAAAACgAAAAoAAAAZAAAAGQAAAAAAAAAzMzMAAAAAABQAAAAUAAAAGQAAABkAAAAAAAAABcAAAAUAAAAAAAAAAAAAAD/fwAA/38AAAAAAAAJAAAABAAAAF8AYAAeAAAAaAAAAAAAAAAAAAAAAAAAAAAAAAAAAAAAECcAABAnAAAAAAAAAAAAAAAAAAAAAAAAAAAAAAAAAAAAAAAAAAAAABQAAAAAAAAAwMD/AAAAAABkAAAAMgAAAAAAAABkAAAAAAAAAH9/fwAKAAAAIgAAABgAAAAAAAAAAAAAAAAAAAAAAAAAAAAAAAAAAAAkAAAAJAAAAAAAAAAHAAAAAAAAAAAAAAAAAAAAAAAAAAAAAAAAAAAAf39/ACUAAABYAAAAAAAAAAAAAAAAAAAAAAAAAAAAAAAAAAAAAAAAAAAAAAAAAAAAAAAAAAAAAAA/AAAAAAAAAKCGAQAAAAAAAAAAAAAAAAAMAAAAAQAAAAAAAAAAAAAAAAAAAB8AAABUAAAAAAAABQAAAAEAAAAAAAAAAAAAAAAAAAAAAAAAAAAAAAAAAAAAAAAAAAAAAAJ/f38AAAAAA8zMzADAwP8Af39/AAAAAAAAAAAAAAAAAAAAAAAAAAAAIQAAABgAAAAUAAAAwAMAANgJAABARwAAsCUAABAAAAAmAAAACAAAAAAAAAAAAAAA"/>
               </a:ext>
             </a:extLst>
           </p:cNvSpPr>
@@ -5521,12 +5765,7 @@
             <p:ph type="body" idx="1"/>
           </p:nvPr>
         </p:nvSpPr>
-        <p:spPr>
-          <a:xfrm>
-            <a:off x="609600" y="1600200"/>
-            <a:ext cx="10972800" cy="4526280"/>
-          </a:xfrm>
-        </p:spPr>
+        <p:spPr/>
         <p:txBody>
           <a:bodyPr/>
           <a:lstStyle/>
@@ -5557,7 +5796,7 @@
             <a:spLocks noGrp="1" noChangeArrowheads="1"/>
             <a:extLst>
               <a:ext uri="smNativeData">
-                <pr:smNativeData xmlns:pr="smNativeData" xmlns="smNativeData" val="SMDATA_15_SSBGaRMAAAAlAAAAZAAAAA0AAAAAkAAAAEgAAACQAAAASAAAAAAAAAABAAAAAAAAAAEAAABQAAAAAAAAAAAA4D8AAAAAAADgPwAAAAAAAOA/AAAAAAAA4D8AAAAAAADgPwAAAAAAAOA/AAAAAAAA4D8AAAAAAADgPwAAAAAAAOA/AAAAAAAA4D8CAAAAjAAAAAAAAAAAAAAAu+DjDP///wgAAAAAAAAAAAAAAAAAAAAAAAAAAAAAAAAAAAAAZAAAAAEAAABAAAAAAAAAAAAAAAAAAAAAAAAAAAAAAAAAAAAAAAAAAAAAAAAAAAAAAAAAAAAAAAAAAAAAAAAAAAAAAAAAAAAAAAAAAAAAAAAAAAAAAAAAAAAAAAAAAAAAFAAAADwAAAAAAAAAAAAAAAAAAAkUAAAAAQAAABQAAAAUAAAAFAAAAAEAAAAAAAAAZAAAAGQAAAAAAAAAZAAAAGQAAAAVAAAAYAAAAAAAAAAAAAAADwAAACADAAAAAAAAAAAAAAEAAACgMgAAVgcAAKr4//8BAAAAf39/AAEAAABkAAAAAAAAABQAAABAHwAAAAAAACYAAAAAAAAAwOD//wAAAAAmAAAAZAAAABYAAABMAAAAAAAAAAAAAAAEAAAAAAAAAAEAAACAgIAKAAAAACgAAAAoAAAAZAAAAGQAAAAAAAAAzMzMAAAAAABQAAAAUAAAAGQAAABkAAAAAAAAABcAAAAUAAAAAAAAAAAAAAD/fwAA/38AAAAAAAAJAAAABAAAAAAAAAAeAAAAaAAAAAAAAAAAAAAAAAAAAAAAAAAAAAAAECcAABAnAAAAAAAAAAAAAAAAAAAAAAAAAAAAAAAAAAAAAAAAAAAAABQAAAAAAAAAwMD/AAAAAABkAAAAMgAAAAAAAABkAAAAAAAAAH9/fwAKAAAAIgAAABgAAAAAAAAAAAAAAAAAAAAAAAAAAAAAAAAAAAAkAAAAJAAAAAAAAAAHAAAAAAAAAAAAAAAAAAAAAAAAAAAAAAAAAAAAf39/ACUAAABYAAAAAAAAAAAAAAAAAAAAAAAAAAAAAAAAAAAAAAAAAAAAAAAAAAAAAAAAAAAAAAA/AAAAAAAAAKCGAQAAAAAAAAAAAAAAAAAMAAAAAQAAAAAAAAAAAAAAAAAAAB8AAABUAAAAAAAABQAAAAEAAAAAAAAAAAAAAAAAAAAAAAAAAAAAAAAAAAAAAAAAAAAAAAJ/f38AAAAAA8zMzADAwP8Af39/AAAAAAAAAAAAAAAAAAAAAAAAAAAAIQAAABgAAAAUAAAAwAMAABsnAAA/FQAAWSkAABAAAAAmAAAACAAAAAAAAAAAAAAA"/>
+                <pr:smNativeData xmlns:pr="smNativeData" xmlns="smNativeData" val="SMDATA_15_msZJaRMAAAAlAAAAZAAAAA0AAAAAkAAAAEgAAACQAAAASAAAAAAAAAABAAAAAAAAAAEAAABQAAAAAAAAAAAA4D8AAAAAAADgPwAAAAAAAOA/AAAAAAAA4D8AAAAAAADgPwAAAAAAAOA/AAAAAAAA4D8AAAAAAADgPwAAAAAAAOA/AAAAAAAA4D8CAAAAjAAAAAAAAAAAAAAAu+DjDP///wgAAAAAAAAAAAAAAAAAAAAAAAAAAAAAAAAAAAAAZAAAAAEAAABAAAAAAAAAAAAAAAAAAAAAAAAAAAAAAAAAAAAAAAAAAAAAAAAAAAAAAAAAAAAAAAAAAAAAAAAAAAAAAAAAAAAAAAAAAAAAAAAAAAAAAAAAAAAAAAAAAAAAFAAAADwAAAAAAAAAAAAAAAAAAAkUAAAAAQAAABQAAAAUAAAAFAAAAAEAAAAAAAAAZAAAAGQAAAAAAAAAZAAAAGQAAAAVAAAAYAAAAAAAAAAAAAAADwAAACADAAAAAAAAAAAAAAEAAACgMgAAVgcAAKr4//8BAAAAf39/AAEAAABkAAAAAAAAABQAAABAHwAAAAAAACYAAAAAAAAAwOD//wAAAAAmAAAAZAAAABYAAABMAAAAAAAAAAAAAAAEAAAAAAAAAAEAAACAgIAKAAAAACgAAAAoAAAAZAAAAGQAAAAAAAAAzMzMAAAAAABQAAAAUAAAAGQAAABkAAAAAAAAABcAAAAUAAAAAAAAAAAAAAD/fwAA/38AAAAAAAAJAAAABAAAAAAAAAAeAAAAaAAAAAAAAAAAAAAAAAAAAAAAAAAAAAAAECcAABAnAAAAAAAAAAAAAAAAAAAAAAAAAAAAAAAAAAAAAAAAAAAAABQAAAAAAAAAwMD/AAAAAABkAAAAMgAAAAAAAABkAAAAAAAAAH9/fwAKAAAAIgAAABgAAAAAAAAAAAAAAAAAAAAAAAAAAAAAAAAAAAAkAAAAJAAAAAAAAAAHAAAAAAAAAAAAAAAAAAAAAAAAAAAAAAAAAAAAf39/ACUAAABYAAAAAAAAAAAAAAAAAAAAAAAAAAAAAAAAAAAAAAAAAAAAAAAAAAAAAAAAAAAAAAA/AAAAAAAAAKCGAQAAAAAAAAAAAAAAAAAMAAAAAQAAAAAAAAAAAAAAAAAAAB8AAABUAAAAAAAABQAAAAEAAAAAAAAAAAAAAAAAAAAAAAAAAAAAAAAAAAAAAAAAAAAAAAJ/f38AAAAAA8zMzADAwP8Af39/AAAAAAAAAAAAAAAAAAAAAAAAAAAAIQAAABgAAAAUAAAAwAMAABsnAAA/FQAAWSkAABAAAAAmAAAACAAAAAAAAAAAAAAA"/>
               </a:ext>
             </a:extLst>
           </p:cNvSpPr>
@@ -5571,9 +5810,9 @@
           <a:lstStyle/>
           <a:p>
             <a:pPr/>
-            <a:fld id="{1B0EC3CA-84F6-5B35-B8B6-72608DF84E27}" type="datetime1">
+            <a:fld id="{0DCF6F62-2CE0-9A99-AE77-DACC2139588F}" type="datetime1">
               <a:rPr lang="en-us" cap="none"/>
-              <a:t>12/19/2025</a:t>
+              <a:t>12/22/2025</a:t>
             </a:fld>
             <a:endParaRPr lang="en-us" cap="none"/>
           </a:p>
@@ -5586,7 +5825,7 @@
             <a:spLocks noGrp="1" noChangeArrowheads="1"/>
             <a:extLst>
               <a:ext uri="smNativeData">
-                <pr:smNativeData xmlns:pr="smNativeData" xmlns="smNativeData" val="SMDATA_15_SSBGaRMAAAAlAAAAZAAAAA0AAAAAkAAAAEgAAACQAAAASAAAAAAAAAABAAAAAAAAAAEAAABQAAAAAAAAAAAA4D8AAAAAAADgPwAAAAAAAOA/AAAAAAAA4D8AAAAAAADgPwAAAAAAAOA/AAAAAAAA4D8AAAAAAADgPwAAAAAAAOA/AAAAAAAA4D8CAAAAjAAAAAAAAAAAAAAAu+DjDP///wgAAAAAAAAAAAAAAAAAAAAAAAAAAAAAAAAAAAAAZAAAAAEAAABAAAAAAAAAAAAAAAAAAAAAAAAAAAAAAAAAAAAAAAAAAAAAAAAAAAAAAAAAAAAAAAAAAAAAAAAAAAAAAAAAAAAAAAAAAAAAAAAAAAAAAAAAAAAAAAAAAAAAFAAAADwAAAAAAAAAAAAAAAAAAAkUAAAAAQAAABQAAAAUAAAAFAAAAAEAAAAAAAAAZAAAAGQAAAAAAAAAZAAAAGQAAAAVAAAAYAAAAAAAAAAAAAAADwAAACADAAAAAAAAAAAAAAEAAACgMgAAVgcAAKr4//8BAAAAf39/AAEAAABkAAAAAAAAABQAAABAHwAAAAAAACYAAAAAAAAAwOD//wAAAAAmAAAAZAAAABYAAABMAAAAAAAAAAAAAAAEAAAAAAAAAAEAAACAgIAKAAAAACgAAAAoAAAAZAAAAGQAAAAAAAAAzMzMAAAAAABQAAAAUAAAAGQAAABkAAAAAAAAABcAAAAUAAAAAAAAAAAAAAD/fwAA/38AAAAAAAAJAAAABAAAAAAAAAAeAAAAaAAAAAAAAAAAAAAAAAAAAAAAAAAAAAAAECcAABAnAAAAAAAAAAAAAAAAAAAAAAAAAAAAAAAAAAAAAAAAAAAAABQAAAAAAAAAwMD/AAAAAABkAAAAMgAAAAAAAABkAAAAAAAAAH9/fwAKAAAAIgAAABgAAAAAAAAAAAAAAAAAAAAAAAAAAAAAAAAAAAAkAAAAJAAAAAAAAAAHAAAAAAAAAAAAAAAAAAAAAAAAAAAAAAAAAAAAf39/ACUAAABYAAAAAAAAAAAAAAAAAAAAAAAAAAAAAAAAAAAAAAAAAAAAAAAAAAAAAAAAAAAAAAA/AAAAAAAAAKCGAQAAAAAAAAAAAAAAAAAMAAAAAQAAAAAAAAAAAAAAAAAAAB8AAABUAAAAAAAABQAAAAEAAAAAAAAAAAAAAAAAAAAAAAAAAAAAAAAAAAAAAAAAAAAAAAJ/f38AAAAAA8zMzADAwP8Af39/AAAAAAAAAAAAAAAAAAAAAAAAAAAAIQAAABgAAAAUAAAAwTUAABsnAABARwAAWSkAABAAAAAmAAAACAAAAAAAAAAAAAAA"/>
+                <pr:smNativeData xmlns:pr="smNativeData" xmlns="smNativeData" val="SMDATA_15_msZJaRMAAAAlAAAAZAAAAA0AAAAAkAAAAEgAAACQAAAASAAAAAAAAAABAAAAAAAAAAEAAABQAAAAAAAAAAAA4D8AAAAAAADgPwAAAAAAAOA/AAAAAAAA4D8AAAAAAADgPwAAAAAAAOA/AAAAAAAA4D8AAAAAAADgPwAAAAAAAOA/AAAAAAAA4D8CAAAAjAAAAAAAAAAAAAAAu+DjDP///wgAAAAAAAAAAAAAAAAAAAAAAAAAAAAAAAAAAAAAZAAAAAEAAABAAAAAAAAAAAAAAAAAAAAAAAAAAAAAAAAAAAAAAAAAAAAAAAAAAAAAAAAAAAAAAAAAAAAAAAAAAAAAAAAAAAAAAAAAAAAAAAAAAAAAAAAAAAAAAAAAAAAAFAAAADwAAAAAAAAAAAAAAAAAAAkUAAAAAQAAABQAAAAUAAAAFAAAAAEAAAAAAAAAZAAAAGQAAAAAAAAAZAAAAGQAAAAVAAAAYAAAAAAAAAAAAAAADwAAACADAAAAAAAAAAAAAAEAAACgMgAAVgcAAKr4//8BAAAAf39/AAEAAABkAAAAAAAAABQAAABAHwAAAAAAACYAAAAAAAAAwOD//wAAAAAmAAAAZAAAABYAAABMAAAAAAAAAAAAAAAEAAAAAAAAAAEAAACAgIAKAAAAACgAAAAoAAAAZAAAAGQAAAAAAAAAzMzMAAAAAABQAAAAUAAAAGQAAABkAAAAAAAAABcAAAAUAAAAAAAAAAAAAAD/fwAA/38AAAAAAAAJAAAABAAAAAAAAAAeAAAAaAAAAAAAAAAAAAAAAAAAAAAAAAAAAAAAECcAABAnAAAAAAAAAAAAAAAAAAAAAAAAAAAAAAAAAAAAAAAAAAAAABQAAAAAAAAAwMD/AAAAAABkAAAAMgAAAAAAAABkAAAAAAAAAH9/fwAKAAAAIgAAABgAAAAAAAAAAAAAAAAAAAAAAAAAAAAAAAAAAAAkAAAAJAAAAAAAAAAHAAAAAAAAAAAAAAAAAAAAAAAAAAAAAAAAAAAAf39/ACUAAABYAAAAAAAAAAAAAAAAAAAAAAAAAAAAAAAAAAAAAAAAAAAAAAAAAAAAAAAAAAAAAAA/AAAAAAAAAKCGAQAAAAAAAAAAAAAAAAAMAAAAAQAAAAAAAAAAAAAAAAAAAB8AAABUAAAAAAAABQAAAAEAAAAAAAAAAAAAAAAAAAAAAAAAAAAAAAAAAAAAAAAAAAAAAAJ/f38AAAAAA8zMzADAwP8Af39/AAAAAAAAAAAAAAAAAAAAAAAAAAAAIQAAABgAAAAUAAAAwTUAABsnAABARwAAWSkAABAAAAAmAAAACAAAAAAAAAAAAAAA"/>
               </a:ext>
             </a:extLst>
           </p:cNvSpPr>
@@ -5600,7 +5839,7 @@
           <a:lstStyle/>
           <a:p>
             <a:pPr/>
-            <a:fld id="{1B0EE7DC-92F6-5B11-B8B6-6444A9F84E31}" type="slidenum">
+            <a:fld id="{0DCF520C-42E0-9AA4-AE77-B4F11C3958E1}" type="slidenum">
               <a:rPr lang="en-us" cap="none"/>
               <a:t>9</a:t>
             </a:fld>
@@ -6571,6 +6810,88 @@
       </a:clrScheme>
       <a:clrMap bg1="lt1" tx1="dk1" bg2="lt2" tx2="dk2" accent1="accent1" accent2="accent2" accent3="accent3" accent4="accent4" accent5="accent5" accent6="accent6" hlink="hlink" folHlink="folHlink"/>
     </a:extraClrScheme>
+    <a:extraClrScheme>
+      <a:clrScheme name="Presentation 18">
+        <a:dk1>
+          <a:srgbClr val="000000"/>
+        </a:dk1>
+        <a:lt1>
+          <a:srgbClr val="FFFFFF"/>
+        </a:lt1>
+        <a:dk2>
+          <a:srgbClr val="000000"/>
+        </a:dk2>
+        <a:lt2>
+          <a:srgbClr val="808080"/>
+        </a:lt2>
+        <a:accent1>
+          <a:srgbClr val="BBE0E3"/>
+        </a:accent1>
+        <a:accent2>
+          <a:srgbClr val="333399"/>
+        </a:accent2>
+        <a:accent3>
+          <a:srgbClr val="535379"/>
+        </a:accent3>
+        <a:accent4>
+          <a:srgbClr val="737359"/>
+        </a:accent4>
+        <a:accent5>
+          <a:srgbClr val="939339"/>
+        </a:accent5>
+        <a:accent6>
+          <a:srgbClr val="B3B319"/>
+        </a:accent6>
+        <a:hlink>
+          <a:srgbClr val="009999"/>
+        </a:hlink>
+        <a:folHlink>
+          <a:srgbClr val="99CC00"/>
+        </a:folHlink>
+      </a:clrScheme>
+      <a:clrMap bg1="lt1" tx1="dk1" bg2="lt2" tx2="dk2" accent1="accent1" accent2="accent2" accent3="accent3" accent4="accent4" accent5="accent5" accent6="accent6" hlink="hlink" folHlink="folHlink"/>
+    </a:extraClrScheme>
+    <a:extraClrScheme>
+      <a:clrScheme name="Presentation 19">
+        <a:dk1>
+          <a:srgbClr val="000000"/>
+        </a:dk1>
+        <a:lt1>
+          <a:srgbClr val="FFFFFF"/>
+        </a:lt1>
+        <a:dk2>
+          <a:srgbClr val="000000"/>
+        </a:dk2>
+        <a:lt2>
+          <a:srgbClr val="808080"/>
+        </a:lt2>
+        <a:accent1>
+          <a:srgbClr val="BBE0E3"/>
+        </a:accent1>
+        <a:accent2>
+          <a:srgbClr val="333399"/>
+        </a:accent2>
+        <a:accent3>
+          <a:srgbClr val="535379"/>
+        </a:accent3>
+        <a:accent4>
+          <a:srgbClr val="737359"/>
+        </a:accent4>
+        <a:accent5>
+          <a:srgbClr val="939339"/>
+        </a:accent5>
+        <a:accent6>
+          <a:srgbClr val="B3B319"/>
+        </a:accent6>
+        <a:hlink>
+          <a:srgbClr val="009999"/>
+        </a:hlink>
+        <a:folHlink>
+          <a:srgbClr val="99CC00"/>
+        </a:folHlink>
+      </a:clrScheme>
+      <a:clrMap bg1="lt1" tx1="dk1" bg2="lt2" tx2="dk2" accent1="accent1" accent2="accent2" accent3="accent3" accent4="accent4" accent5="accent5" accent6="accent6" hlink="hlink" folHlink="folHlink"/>
+    </a:extraClrScheme>
   </a:extraClrSchemeLst>
 </a:theme>
 </file>
--- a/AI/AI PyTorch.pptx
+++ b/AI/AI PyTorch.pptx
@@ -249,7 +249,7 @@
             <a:spLocks noGrp="1" noChangeArrowheads="1"/>
             <a:extLst>
               <a:ext uri="smNativeData">
-                <pr:smNativeData xmlns:pr="smNativeData" xmlns="smNativeData" val="SMDATA_15_msZJaRMAAAAlAAAAZAAAAA0AAAAAkAAAAEgAAACQAAAASAAAAAAAAAABAAAAAAAAAAEAAABQAAAAAAAAAAAA4D8AAAAAAADgPwAAAAAAAOA/AAAAAAAA4D8AAAAAAADgPwAAAAAAAOA/AAAAAAAA4D8AAAAAAADgPwAAAAAAAOA/AAAAAAAA4D8CAAAAjAAAAAAAAAAAAAAAu+DjDP///wgAAAAAAAAAAAAAAAAAAAAAAAAAAAAAAAAAAAAAZAAAAAEAAABAAAAAAAAAAAAAAAAAAAAAAAAAAAAAAAAAAAAAAAAAAAAAAAAAAAAAAAAAAAAAAAAAAAAAAAAAAAAAAAAAAAAAAAAAAAAAAAAAAAAAAAAAAAAAAAAAAAAAFAAAADwAAAAAAAAAAAAAAAAAAAkUAAAAAQAAABQAAAAUAAAAFAAAAAEAAAAAAAAAZAAAAGQAAAAAAAAAZAAAAGQAAAAVAAAAYAAAAAAAAAAAAAAADwAAACADAAAAAAAAAAAAAAEAAACgMgAAVgcAAKr4//8BAAAAf39/AAEAAABkAAAAAAAAABQAAABAHwAAAAAAACYAAAAAAAAAwOD//wAAAAAmAAAAZAAAABYAAABMAAAAAAAAAAAAAAAEAAAAAAAAAAEAAACAgIAKAAAAACgAAAAoAAAAZAAAAGQAAAAAAAAAzMzMAAAAAABQAAAAUAAAAGQAAABkAAAAAAAAABcAAAAUAAAAAAAAAAAAAAD/fwAA/38AAAAAAAAJAAAABAAAABxYQAweAAAAaAAAAAAAAAAAAAAAAAAAAAAAAAAAAAAAECcAABAnAAAAAAAAAAAAAAAAAAAAAAAAAAAAAAAAAAAAAAAAAAAAABQAAAAAAAAAwMD/AAAAAABkAAAAMgAAAAAAAABkAAAAAAAAAH9/fwAKAAAAIgAAABgAAAAAAAAAAAAAAAAAAAAAAAAAAAAAAAAAAAAkAAAAJAAAAAAAAAAHAAAAAAAAAAAAAAAAAAAAAAAAAAAAAAAAAAAAf39/ACUAAABYAAAAAAAAAAAAAAAAAAAAAAAAAAAAAAAAAAAAAAAAAAAAAAAAAAAAAAAAAAAAAAA/AAAAAAAAAKCGAQAAAAAAAAAAAAAAAAAMAAAAAQAAAAAAAAAAAAAAAAAAAB8AAABUAAAAAAAABQAAAAEAAAAAAAAAAAAAAAAAAAAAAAAAAAAAAAAAAAAAAAAAAAAAAAJ/f38AAAAAA8zMzADAwP8Af39/AAAAAAAAAAAAAAAAAAAAAAAAAAAAIQAAABgAAAAUAAAAoAUAABoNAABgRQAAJhYAABAAAAAmAAAACAAAAAEAAAAAAAAA"/>
+                <pr:smNativeData xmlns:pr="smNativeData" xmlns="smNativeData" val="SMDATA_15_D/RJaRMAAAAlAAAAZAAAAA0AAAAAkAAAAEgAAACQAAAASAAAAAAAAAABAAAAAAAAAAEAAABQAAAAAAAAAAAA4D8AAAAAAADgPwAAAAAAAOA/AAAAAAAA4D8AAAAAAADgPwAAAAAAAOA/AAAAAAAA4D8AAAAAAADgPwAAAAAAAOA/AAAAAAAA4D8CAAAAjAAAAAAAAAAAAAAAu+DjDP///wgAAAAAAAAAAAAAAAAAAAAAAAAAAAAAAAAAAAAAZAAAAAEAAABAAAAAAAAAAAAAAAAAAAAAAAAAAAAAAAAAAAAAAAAAAAAAAAAAAAAAAAAAAAAAAAAAAAAAAAAAAAAAAAAAAAAAAAAAAAAAAAAAAAAAAAAAAAAAAAAAAAAAFAAAADwAAAAAAAAAAAAAAAAAAAkUAAAAAQAAABQAAAAUAAAAFAAAAAEAAAAAAAAAZAAAAGQAAAAAAAAAZAAAAGQAAAAVAAAAYAAAAAAAAAAAAAAADwAAACADAAAAAAAAAAAAAAEAAACgMgAAVgcAAKr4//8BAAAAf39/AAEAAABkAAAAAAAAABQAAABAHwAAAAAAACYAAAAAAAAAwOD//wAAAAAmAAAAZAAAABYAAABMAAAAAAAAAAAAAAAEAAAAAAAAAAEAAACAgIAKAAAAACgAAAAoAAAAZAAAAGQAAAAAAAAAzMzMAAAAAABQAAAAUAAAAGQAAABkAAAAAAAAABcAAAAUAAAAAAAAAAAAAAD/fwAA/38AAAAAAAAJAAAABAAAABxYQAweAAAAaAAAAAAAAAAAAAAAAAAAAAAAAAAAAAAAECcAABAnAAAAAAAAAAAAAAAAAAAAAAAAAAAAAAAAAAAAAAAAAAAAABQAAAAAAAAAwMD/AAAAAABkAAAAMgAAAAAAAABkAAAAAAAAAH9/fwAKAAAAIgAAABgAAAAAAAAAAAAAAAAAAAAAAAAAAAAAAAAAAAAkAAAAJAAAAAAAAAAHAAAAAAAAAAAAAAAAAAAAAAAAAAAAAAAAAAAAf39/ACUAAABYAAAAAAAAAAAAAAAAAAAAAAAAAAAAAAAAAAAAAAAAAAAAAAAAAAAAAAAAAAAAAAA/AAAAAAAAAKCGAQAAAAAAAAAAAAAAAAAMAAAAAQAAAAAAAAAAAAAAAAAAAB8AAABUAAAAAAAABQAAAAEAAAAAAAAAAAAAAAAAAAAAAAAAAAAAAAAAAAAAAAAAAAAAAAJ/f38AAAAAA8zMzADAwP8Af39/AAAAAAAAAAAAAAAAAAAAAAAAAAAAIQAAABgAAAAUAAAAoAUAABoNAABgRQAAJhYAABAAAAAmAAAACAAAAAEAAAAAAAAA"/>
               </a:ext>
             </a:extLst>
           </p:cNvSpPr>
@@ -281,7 +281,7 @@
             <a:spLocks noGrp="1" noChangeArrowheads="1"/>
             <a:extLst>
               <a:ext uri="smNativeData">
-                <pr:smNativeData xmlns:pr="smNativeData" xmlns="smNativeData" val="SMDATA_15_msZJaRMAAAAlAAAAZAAAAA0AAAAAkAAAAEgAAACQAAAASAAAAAAAAAAAAAAAAAAAAAEAAABQAAAAAAAAAAAA4D8AAAAAAADgPwAAAAAAAOA/AAAAAAAA4D8AAAAAAADgPwAAAAAAAOA/AAAAAAAA4D8AAAAAAADgPwAAAAAAAOA/AAAAAAAA4D8CAAAAjAAAAAAAAAAAAAAAu+DjDP///wgAAAAAAAAAAAAAAAAAAAAAAAAAAAAAAAAAAAAAZAAAAAEAAABAAAAAAAAAAAAAAAAAAAAAAAAAAAAAAAAAAAAAAAAAAAAAAAAAAAAAAAAAAAAAAAAAAAAAAAAAAAAAAAAAAAAAAAAAAAAAAAAAAAAAAAAAAAAAAAAAAAAAFAAAADwAAAAAAAAAAAAAAAAAAAkUAAAAAQAAABQAAAAUAAAAFAAAAAEAAAAAAAAAZAAAAGQAAAAAAAAAZAAAAGQAAAAVAAAAYAAAAAAAAAAAAAAADwAAACADAAAAAAAAAAAAAAEAAACgMgAAVgcAAKr4//8BAAAAf39/AAEAAABkAAAAAAAAABQAAABAHwAAAAAAACYAAAAAAAAAwOD//wAAAAAmAAAAZAAAABYAAABMAAAAAAAAAAAAAAAEAAAAAAAAAAEAAACAgIAKAAAAACgAAAAoAAAAZAAAAGQAAAAAAAAAzMzMAAAAAABQAAAAUAAAAGQAAABkAAAAAAAAABcAAAAUAAAAAAAAAAAAAAD/fwAA/38AAAAAAAAJAAAABAAAAF8AYAAeAAAAaAAAAAAAAAAAAAAAAAAAAAAAAAAAAAAAECcAABAnAAAAAAAAAAAAAAAAAAAAAAAAAAAAAAAAAAAAAAAAAAAAABQAAAAAAAAAwMD/AAAAAABkAAAAMgAAAAAAAABkAAAAAAAAAH9/fwAKAAAAIgAAABgAAAAAAAAAAAAAAAAAAAAAAAAAAAAAAAAAAAAkAAAAJAAAAAAAAAAHAAAAAAAAAAAAAAAAAAAAAAAAAAAAAAAAAAAAf39/ACUAAABYAAAAAAAAAAAAAAAAAAAAAAAAAAAAAAAAAAAAAAAAAAAAAAAAAAAAAAAAAAAAAAA/AAAAAAAAAKCGAQAAAAAAAAAAAAAAAAAMAAAAAQAAAAAAAAAAAAAAAAAAAB8AAABUAAAAAAAABQAAAAEAAAAAAAAAAAAAAAAAAAAAAAAAAAAAAAAAAAAAAAAAAAAAAAJ/f38AAAAAA8zMzADAwP8Af39/AAAAAAAAAAAAAAAAAAAAAAAAAAAAIQAAABgAAAAUAAAAQAsAAOgXAADAPwAAsCIAABAAAAAmAAAACAAAAAGAAAAAAAAA"/>
+                <pr:smNativeData xmlns:pr="smNativeData" xmlns="smNativeData" val="SMDATA_15_D/RJaRMAAAAlAAAAZAAAAA0AAAAAkAAAAEgAAACQAAAASAAAAAAAAAAAAAAAAAAAAAEAAABQAAAAAAAAAAAA4D8AAAAAAADgPwAAAAAAAOA/AAAAAAAA4D8AAAAAAADgPwAAAAAAAOA/AAAAAAAA4D8AAAAAAADgPwAAAAAAAOA/AAAAAAAA4D8CAAAAjAAAAAAAAAAAAAAAu+DjDP///wgAAAAAAAAAAAAAAAAAAAAAAAAAAAAAAAAAAAAAZAAAAAEAAABAAAAAAAAAAAAAAAAAAAAAAAAAAAAAAAAAAAAAAAAAAAAAAAAAAAAAAAAAAAAAAAAAAAAAAAAAAAAAAAAAAAAAAAAAAAAAAAAAAAAAAAAAAAAAAAAAAAAAFAAAADwAAAAAAAAAAAAAAAAAAAkUAAAAAQAAABQAAAAUAAAAFAAAAAEAAAAAAAAAZAAAAGQAAAAAAAAAZAAAAGQAAAAVAAAAYAAAAAAAAAAAAAAADwAAACADAAAAAAAAAAAAAAEAAACgMgAAVgcAAKr4//8BAAAAf39/AAEAAABkAAAAAAAAABQAAABAHwAAAAAAACYAAAAAAAAAwOD//wAAAAAmAAAAZAAAABYAAABMAAAAAAAAAAAAAAAEAAAAAAAAAAEAAACAgIAKAAAAACgAAAAoAAAAZAAAAGQAAAAAAAAAzMzMAAAAAABQAAAAUAAAAGQAAABkAAAAAAAAABcAAAAUAAAAAAAAAAAAAAD/fwAA/38AAAAAAAAJAAAABAAAAF8AYAAeAAAAaAAAAAAAAAAAAAAAAAAAAAAAAAAAAAAAECcAABAnAAAAAAAAAAAAAAAAAAAAAAAAAAAAAAAAAAAAAAAAAAAAABQAAAAAAAAAwMD/AAAAAABkAAAAMgAAAAAAAABkAAAAAAAAAH9/fwAKAAAAIgAAABgAAAAAAAAAAAAAAAAAAAAAAAAAAAAAAAAAAAAkAAAAJAAAAAAAAAAHAAAAAAAAAAAAAAAAAAAAAAAAAAAAAAAAAAAAf39/ACUAAABYAAAAAAAAAAAAAAAAAAAAAAAAAAAAAAAAAAAAAAAAAAAAAAAAAAAAAAAAAAAAAAA/AAAAAAAAAKCGAQAAAAAAAAAAAAAAAAAMAAAAAQAAAAAAAAAAAAAAAAAAAB8AAABUAAAAAAAABQAAAAEAAAAAAAAAAAAAAAAAAAAAAAAAAAAAAAAAAAAAAAAAAAAAAAJ/f38AAAAAA8zMzADAwP8Af39/AAAAAAAAAAAAAAAAAAAAAAAAAAAAIQAAABgAAAAUAAAAQAsAAOgXAADAPwAAsCIAABAAAAAmAAAACAAAAAGAAAAAAAAA"/>
               </a:ext>
             </a:extLst>
           </p:cNvSpPr>
@@ -341,7 +341,7 @@
             <a:spLocks noGrp="1" noChangeArrowheads="1"/>
             <a:extLst>
               <a:ext uri="smNativeData">
-                <pr:smNativeData xmlns:pr="smNativeData" xmlns="smNativeData" val="SMDATA_15_msZJaRMAAAAlAAAAZAAAAA0AAAAAkAAAAEgAAACQAAAASAAAAAAAAAABAAAAAAAAAAEAAABQAAAAAAAAAAAA4D8AAAAAAADgPwAAAAAAAOA/AAAAAAAA4D8AAAAAAADgPwAAAAAAAOA/AAAAAAAA4D8AAAAAAADgPwAAAAAAAOA/AAAAAAAA4D8CAAAAjAAAAAAAAAAAAAAAu+DjDP///wgAAAAAAAAAAAAAAAAAAAAAAAAAAAAAAAAAAAAAZAAAAAEAAABAAAAAAAAAAAAAAAAAAAAAAAAAAAAAAAAAAAAAAAAAAAAAAAAAAAAAAAAAAAAAAAAAAAAAAAAAAAAAAAAAAAAAAAAAAAAAAAAAAAAAAAAAAAAAAAAAAAAAFAAAADwAAAAAAAAAAAAAAAAAAAkUAAAAAQAAABQAAAAUAAAAFAAAAAEAAAAAAAAAZAAAAGQAAAAAAAAAZAAAAGQAAAAVAAAAYAAAAAAAAAAAAAAADwAAACADAAAAAAAAAAAAAAEAAACgMgAAVgcAAKr4//8BAAAAf39/AAEAAABkAAAAAAAAABQAAABAHwAAAAAAACYAAAAAAAAAwOD//wAAAAAmAAAAZAAAABYAAABMAAAAAAAAAAAAAAAEAAAAAAAAAAEAAACAgIAKAAAAACgAAAAoAAAAZAAAAGQAAAAAAAAAzMzMAAAAAABQAAAAUAAAAGQAAABkAAAAAAAAABcAAAAUAAAAAAAAAAAAAAD/fwAA/38AAAAAAAAJAAAABAAAACyUxw4eAAAAaAAAAAAAAAAAAAAAAAAAAAAAAAAAAAAAECcAABAnAAAAAAAAAAAAAAAAAAAAAAAAAAAAAAAAAAAAAAAAAAAAABQAAAAAAAAAwMD/AAAAAABkAAAAMgAAAAAAAABkAAAAAAAAAH9/fwAKAAAAIgAAABgAAAAAAAAAAAAAAAAAAAAAAAAAAAAAAAAAAAAkAAAAJAAAAAAAAAAHAAAAAAAAAAAAAAAAAAAAAAAAAAAAAAAAAAAAf39/ACUAAABYAAAAAAAAAAAAAAAAAAAAAAAAAAAAAAAAAAAAAAAAAAAAAAAAAAAAAAAAAAAAAAA/AAAAAAAAAKCGAQAAAAAAAAAAAAAAAAAMAAAAAQAAAAAAAAAAAAAAAAAAAB8AAABUAAAAAAAABQAAAAEAAAAAAAAAAAAAAAAAAAAAAAAAAAAAAAAAAAAAAAAAAAAAAAJ/f38AAAAAA8zMzADAwP8Af39/AAAAAAAAAAAAAAAAAAAAAAAAAAAAIQAAABgAAAAUAAAAwAMAABsnAAA/FQAAWSkAABAAAAAmAAAACAAAAAAAAAAAAAAA"/>
+                <pr:smNativeData xmlns:pr="smNativeData" xmlns="smNativeData" val="SMDATA_15_D/RJaRMAAAAlAAAAZAAAAA0AAAAAkAAAAEgAAACQAAAASAAAAAAAAAABAAAAAAAAAAEAAABQAAAAAAAAAAAA4D8AAAAAAADgPwAAAAAAAOA/AAAAAAAA4D8AAAAAAADgPwAAAAAAAOA/AAAAAAAA4D8AAAAAAADgPwAAAAAAAOA/AAAAAAAA4D8CAAAAjAAAAAAAAAAAAAAAu+DjDP///wgAAAAAAAAAAAAAAAAAAAAAAAAAAAAAAAAAAAAAZAAAAAEAAABAAAAAAAAAAAAAAAAAAAAAAAAAAAAAAAAAAAAAAAAAAAAAAAAAAAAAAAAAAAAAAAAAAAAAAAAAAAAAAAAAAAAAAAAAAAAAAAAAAAAAAAAAAAAAAAAAAAAAFAAAADwAAAAAAAAAAAAAAAAAAAkUAAAAAQAAABQAAAAUAAAAFAAAAAEAAAAAAAAAZAAAAGQAAAAAAAAAZAAAAGQAAAAVAAAAYAAAAAAAAAAAAAAADwAAACADAAAAAAAAAAAAAAEAAACgMgAAVgcAAKr4//8BAAAAf39/AAEAAABkAAAAAAAAABQAAABAHwAAAAAAACYAAAAAAAAAwOD//wAAAAAmAAAAZAAAABYAAABMAAAAAAAAAAAAAAAEAAAAAAAAAAEAAACAgIAKAAAAACgAAAAoAAAAZAAAAGQAAAAAAAAAzMzMAAAAAABQAAAAUAAAAGQAAABkAAAAAAAAABcAAAAUAAAAAAAAAAAAAAD/fwAA/38AAAAAAAAJAAAABAAAACyUxw4eAAAAaAAAAAAAAAAAAAAAAAAAAAAAAAAAAAAAECcAABAnAAAAAAAAAAAAAAAAAAAAAAAAAAAAAAAAAAAAAAAAAAAAABQAAAAAAAAAwMD/AAAAAABkAAAAMgAAAAAAAABkAAAAAAAAAH9/fwAKAAAAIgAAABgAAAAAAAAAAAAAAAAAAAAAAAAAAAAAAAAAAAAkAAAAJAAAAAAAAAAHAAAAAAAAAAAAAAAAAAAAAAAAAAAAAAAAAAAAf39/ACUAAABYAAAAAAAAAAAAAAAAAAAAAAAAAAAAAAAAAAAAAAAAAAAAAAAAAAAAAAAAAAAAAAA/AAAAAAAAAKCGAQAAAAAAAAAAAAAAAAAMAAAAAQAAAAAAAAAAAAAAAAAAAB8AAABUAAAAAAAABQAAAAEAAAAAAAAAAAAAAAAAAAAAAAAAAAAAAAAAAAAAAAAAAAAAAAJ/f38AAAAAA8zMzADAwP8Af39/AAAAAAAAAAAAAAAAAAAAAAAAAAAAIQAAABgAAAAUAAAAwAMAABsnAAA/FQAAWSkAABAAAAAmAAAACAAAAAAAAAAAAAAA"/>
               </a:ext>
             </a:extLst>
           </p:cNvSpPr>
@@ -355,7 +355,7 @@
           <a:lstStyle/>
           <a:p>
             <a:pPr/>
-            <a:fld id="{0DCF7540-0EE0-9A83-AE77-F8D63B3958AD}" type="datetime1">
+            <a:fld id="{0C3DC20A-44E1-6834-AF85-B2618CCB59E7}" type="datetime1">
               <a:t/>
             </a:fld>
           </a:p>
@@ -368,7 +368,7 @@
             <a:spLocks noGrp="1" noChangeArrowheads="1"/>
             <a:extLst>
               <a:ext uri="smNativeData">
-                <pr:smNativeData xmlns:pr="smNativeData" xmlns="smNativeData" val="SMDATA_15_msZJaRMAAAAlAAAAZAAAAA0AAAAAkAAAAEgAAACQAAAASAAAAAAAAAABAAAAAAAAAAEAAABQAAAAAAAAAAAA4D8AAAAAAADgPwAAAAAAAOA/AAAAAAAA4D8AAAAAAADgPwAAAAAAAOA/AAAAAAAA4D8AAAAAAADgPwAAAAAAAOA/AAAAAAAA4D8CAAAAjAAAAAAAAAAAAAAAu+DjDP///wgAAAAAAAAAAAAAAAAAAAAAAAAAAAAAAAAAAAAAZAAAAAEAAABAAAAAAAAAAAAAAAAAAAAAAAAAAAAAAAAAAAAAAAAAAAAAAAAAAAAAAAAAAAAAAAAAAAAAAAAAAAAAAAAAAAAAAAAAAAAAAAAAAAAAAAAAAAAAAAAAAAAAFAAAADwAAAAAAAAAAAAAAAAAAAkUAAAAAQAAABQAAAAUAAAAFAAAAAEAAAAAAAAAZAAAAGQAAAAAAAAAZAAAAGQAAAAVAAAAYAAAAAAAAAAAAAAADwAAACADAAAAAAAAAAAAAAEAAACgMgAAVgcAAKr4//8BAAAAf39/AAEAAABkAAAAAAAAABQAAABAHwAAAAAAACYAAAAAAAAAwOD//wAAAAAmAAAAZAAAABYAAABMAAAAAAAAAAAAAAAEAAAAAAAAAAEAAACAgIAKAAAAACgAAAAoAAAAZAAAAGQAAAAAAAAAzMzMAAAAAABQAAAAUAAAAGQAAABkAAAAAAAAABcAAAAUAAAAAAAAAAAAAAD/fwAA/38AAAAAAAAJAAAABAAAAGxpY2keAAAAaAAAAAAAAAAAAAAAAAAAAAAAAAAAAAAAECcAABAnAAAAAAAAAAAAAAAAAAAAAAAAAAAAAAAAAAAAAAAAAAAAABQAAAAAAAAAwMD/AAAAAABkAAAAMgAAAAAAAABkAAAAAAAAAH9/fwAKAAAAIgAAABgAAAAAAAAAAAAAAAAAAAAAAAAAAAAAAAAAAAAkAAAAJAAAAAAAAAAHAAAAAAAAAAAAAAAAAAAAAAAAAAAAAAAAAAAAf39/ACUAAABYAAAAAAAAAAAAAAAAAAAAAAAAAAAAAAAAAAAAAAAAAAAAAAAAAAAAAAAAAAAAAAA/AAAAAAAAAKCGAQAAAAAAAAAAAAAAAAAMAAAAAQAAAAAAAAAAAAAAAAAAAB8AAABUAAAAAAAABQAAAAEAAAAAAAAAAAAAAAAAAAAAAAAAAAAAAAAAAAAAAAAAAAAAAAJ/f38AAAAAA8zMzADAwP8Af39/AAAAAAAAAAAAAAAAAAAAAAAAAAAAIQAAABgAAAAUAAAAoRkAABsnAABfMQAAWSkAABAAAAAmAAAACAAAAAAAAAAAAAAA"/>
+                <pr:smNativeData xmlns:pr="smNativeData" xmlns="smNativeData" val="SMDATA_15_D/RJaRMAAAAlAAAAZAAAAA0AAAAAkAAAAEgAAACQAAAASAAAAAAAAAABAAAAAAAAAAEAAABQAAAAAAAAAAAA4D8AAAAAAADgPwAAAAAAAOA/AAAAAAAA4D8AAAAAAADgPwAAAAAAAOA/AAAAAAAA4D8AAAAAAADgPwAAAAAAAOA/AAAAAAAA4D8CAAAAjAAAAAAAAAAAAAAAu+DjDP///wgAAAAAAAAAAAAAAAAAAAAAAAAAAAAAAAAAAAAAZAAAAAEAAABAAAAAAAAAAAAAAAAAAAAAAAAAAAAAAAAAAAAAAAAAAAAAAAAAAAAAAAAAAAAAAAAAAAAAAAAAAAAAAAAAAAAAAAAAAAAAAAAAAAAAAAAAAAAAAAAAAAAAFAAAADwAAAAAAAAAAAAAAAAAAAkUAAAAAQAAABQAAAAUAAAAFAAAAAEAAAAAAAAAZAAAAGQAAAAAAAAAZAAAAGQAAAAVAAAAYAAAAAAAAAAAAAAADwAAACADAAAAAAAAAAAAAAEAAACgMgAAVgcAAKr4//8BAAAAf39/AAEAAABkAAAAAAAAABQAAABAHwAAAAAAACYAAAAAAAAAwOD//wAAAAAmAAAAZAAAABYAAABMAAAAAAAAAAAAAAAEAAAAAAAAAAEAAACAgIAKAAAAACgAAAAoAAAAZAAAAGQAAAAAAAAAzMzMAAAAAABQAAAAUAAAAGQAAABkAAAAAAAAABcAAAAUAAAAAAAAAAAAAAD/fwAA/38AAAAAAAAJAAAABAAAAGxpY2keAAAAaAAAAAAAAAAAAAAAAAAAAAAAAAAAAAAAECcAABAnAAAAAAAAAAAAAAAAAAAAAAAAAAAAAAAAAAAAAAAAAAAAABQAAAAAAAAAwMD/AAAAAABkAAAAMgAAAAAAAABkAAAAAAAAAH9/fwAKAAAAIgAAABgAAAAAAAAAAAAAAAAAAAAAAAAAAAAAAAAAAAAkAAAAJAAAAAAAAAAHAAAAAAAAAAAAAAAAAAAAAAAAAAAAAAAAAAAAf39/ACUAAABYAAAAAAAAAAAAAAAAAAAAAAAAAAAAAAAAAAAAAAAAAAAAAAAAAAAAAAAAAAAAAAA/AAAAAAAAAKCGAQAAAAAAAAAAAAAAAAAMAAAAAQAAAAAAAAAAAAAAAAAAAB8AAABUAAAAAAAABQAAAAEAAAAAAAAAAAAAAAAAAAAAAAAAAAAAAAAAAAAAAAAAAAAAAAJ/f38AAAAAA8zMzADAwP8Af39/AAAAAAAAAAAAAAAAAAAAAAAAAAAAIQAAABgAAAAUAAAAoRkAABsnAABfMQAAWSkAABAAAAAmAAAACAAAAAAAAAAAAAAA"/>
               </a:ext>
             </a:extLst>
           </p:cNvSpPr>
@@ -392,7 +392,7 @@
             <a:spLocks noGrp="1" noChangeArrowheads="1"/>
             <a:extLst>
               <a:ext uri="smNativeData">
-                <pr:smNativeData xmlns:pr="smNativeData" xmlns="smNativeData" val="SMDATA_15_msZJaRMAAAAlAAAAZAAAAA0AAAAAkAAAAEgAAACQAAAASAAAAAAAAAABAAAAAAAAAAEAAABQAAAAAAAAAAAA4D8AAAAAAADgPwAAAAAAAOA/AAAAAAAA4D8AAAAAAADgPwAAAAAAAOA/AAAAAAAA4D8AAAAAAADgPwAAAAAAAOA/AAAAAAAA4D8CAAAAjAAAAAAAAAAAAAAAu+DjDP///wgAAAAAAAAAAAAAAAAAAAAAAAAAAAAAAAAAAAAAZAAAAAEAAABAAAAAAAAAAAAAAAAAAAAAAAAAAAAAAAAAAAAAAAAAAAAAAAAAAAAAAAAAAAAAAAAAAAAAAAAAAAAAAAAAAAAAAAAAAAAAAAAAAAAAAAAAAAAAAAAAAAAAFAAAADwAAAAAAAAAAAAAAAAAAAkUAAAAAQAAABQAAAAUAAAAFAAAAAEAAAAAAAAAZAAAAGQAAAAAAAAAZAAAAGQAAAAVAAAAYAAAAAAAAAAAAAAADwAAACADAAAAAAAAAAAAAAEAAACgMgAAVgcAAKr4//8BAAAAf39/AAEAAABkAAAAAAAAABQAAABAHwAAAAAAACYAAAAAAAAAwOD//wAAAAAmAAAAZAAAABYAAABMAAAAAAAAAAAAAAAEAAAAAAAAAAEAAACAgIAKAAAAACgAAAAoAAAAZAAAAGQAAAAAAAAAzMzMAAAAAABQAAAAUAAAAGQAAABkAAAAAAAAABcAAAAUAAAAAAAAAAAAAAD/fwAA/38AAAAAAAAJAAAABAAAAF8AYAAeAAAAaAAAAAAAAAAAAAAAAAAAAAAAAAAAAAAAECcAABAnAAAAAAAAAAAAAAAAAAAAAAAAAAAAAAAAAAAAAAAAAAAAABQAAAAAAAAAwMD/AAAAAABkAAAAMgAAAAAAAABkAAAAAAAAAH9/fwAKAAAAIgAAABgAAAAAAAAAAAAAAAAAAAAAAAAAAAAAAAAAAAAkAAAAJAAAAAAAAAAHAAAAAAAAAAAAAAAAAAAAAAAAAAAAAAAAAAAAf39/ACUAAABYAAAAAAAAAAAAAAAAAAAAAAAAAAAAAAAAAAAAAAAAAAAAAAAAAAAAAAAAAAAAAAA/AAAAAAAAAKCGAQAAAAAAAAAAAAAAAAAMAAAAAQAAAAAAAAAAAAAAAAAAAB8AAABUAAAAAAAABQAAAAEAAAAAAAAAAAAAAAAAAAAAAAAAAAAAAAAAAAAAAAAAAAAAAAJ/f38AAAAAA8zMzADAwP8Af39/AAAAAAAAAAAAAAAAAAAAAAAAAAAAIQAAABgAAAAUAAAAwTUAABsnAABARwAAWSkAABAAAAAmAAAACAAAAAAAAAAAAAAA"/>
+                <pr:smNativeData xmlns:pr="smNativeData" xmlns="smNativeData" val="SMDATA_15_D/RJaRMAAAAlAAAAZAAAAA0AAAAAkAAAAEgAAACQAAAASAAAAAAAAAABAAAAAAAAAAEAAABQAAAAAAAAAAAA4D8AAAAAAADgPwAAAAAAAOA/AAAAAAAA4D8AAAAAAADgPwAAAAAAAOA/AAAAAAAA4D8AAAAAAADgPwAAAAAAAOA/AAAAAAAA4D8CAAAAjAAAAAAAAAAAAAAAu+DjDP///wgAAAAAAAAAAAAAAAAAAAAAAAAAAAAAAAAAAAAAZAAAAAEAAABAAAAAAAAAAAAAAAAAAAAAAAAAAAAAAAAAAAAAAAAAAAAAAAAAAAAAAAAAAAAAAAAAAAAAAAAAAAAAAAAAAAAAAAAAAAAAAAAAAAAAAAAAAAAAAAAAAAAAFAAAADwAAAAAAAAAAAAAAAAAAAkUAAAAAQAAABQAAAAUAAAAFAAAAAEAAAAAAAAAZAAAAGQAAAAAAAAAZAAAAGQAAAAVAAAAYAAAAAAAAAAAAAAADwAAACADAAAAAAAAAAAAAAEAAACgMgAAVgcAAKr4//8BAAAAf39/AAEAAABkAAAAAAAAABQAAABAHwAAAAAAACYAAAAAAAAAwOD//wAAAAAmAAAAZAAAABYAAABMAAAAAAAAAAAAAAAEAAAAAAAAAAEAAACAgIAKAAAAACgAAAAoAAAAZAAAAGQAAAAAAAAAzMzMAAAAAABQAAAAUAAAAGQAAABkAAAAAAAAABcAAAAUAAAAAAAAAAAAAAD/fwAA/38AAAAAAAAJAAAABAAAAF8AYAAeAAAAaAAAAAAAAAAAAAAAAAAAAAAAAAAAAAAAECcAABAnAAAAAAAAAAAAAAAAAAAAAAAAAAAAAAAAAAAAAAAAAAAAABQAAAAAAAAAwMD/AAAAAABkAAAAMgAAAAAAAABkAAAAAAAAAH9/fwAKAAAAIgAAABgAAAAAAAAAAAAAAAAAAAAAAAAAAAAAAAAAAAAkAAAAJAAAAAAAAAAHAAAAAAAAAAAAAAAAAAAAAAAAAAAAAAAAAAAAf39/ACUAAABYAAAAAAAAAAAAAAAAAAAAAAAAAAAAAAAAAAAAAAAAAAAAAAAAAAAAAAAAAAAAAAA/AAAAAAAAAKCGAQAAAAAAAAAAAAAAAAAMAAAAAQAAAAAAAAAAAAAAAAAAAB8AAABUAAAAAAAABQAAAAEAAAAAAAAAAAAAAAAAAAAAAAAAAAAAAAAAAAAAAAAAAAAAAAJ/f38AAAAAA8zMzADAwP8Af39/AAAAAAAAAAAAAAAAAAAAAAAAAAAAIQAAABgAAAAUAAAAwTUAABsnAABARwAAWSkAABAAAAAmAAAACAAAAAAAAAAAAAAA"/>
               </a:ext>
             </a:extLst>
           </p:cNvSpPr>
@@ -406,7 +406,7 @@
           <a:lstStyle/>
           <a:p>
             <a:pPr/>
-            <a:fld id="{0DCF08F7-B9E0-9AFE-AE77-4FAB4639581A}" type="slidenum">
+            <a:fld id="{0C3D90F8-B6E1-6866-AF85-4033DECB5915}" type="slidenum">
               <a:t/>
             </a:fld>
           </a:p>
@@ -445,7 +445,7 @@
             <a:spLocks noGrp="1" noChangeArrowheads="1"/>
             <a:extLst>
               <a:ext uri="smNativeData">
-                <pr:smNativeData xmlns:pr="smNativeData" xmlns="smNativeData" val="SMDATA_15_msZJaRMAAAAlAAAAZAAAAA0AAAAAkAAAAEgAAACQAAAASAAAAAAAAAABAAAAAAAAAAEAAABQAAAAAAAAAAAA4D8AAAAAAADgPwAAAAAAAOA/AAAAAAAA4D8AAAAAAADgPwAAAAAAAOA/AAAAAAAA4D8AAAAAAADgPwAAAAAAAOA/AAAAAAAA4D8CAAAAjAAAAAAAAAAAAAAAu+DjDP///wgAAAAAAAAAAAAAAAAAAAAAAAAAAAAAAAAAAAAAZAAAAAEAAABAAAAAAAAAAAAAAAAAAAAAAAAAAAAAAAAAAAAAAAAAAAAAAAAAAAAAAAAAAAAAAAAAAAAAAAAAAAAAAAAAAAAAAAAAAAAAAAAAAAAAAAAAAAAAAAAAAAAAFAAAADwAAAAAAAAAAAAAAAAAAAkUAAAAAQAAABQAAAAUAAAAFAAAAAEAAAAAAAAAZAAAAGQAAAAAAAAAZAAAAGQAAAAVAAAAYAAAAAAAAAAAAAAADwAAACADAAAAAAAAAAAAAAEAAACgMgAAVgcAAKr4//8BAAAAf39/AAEAAABkAAAAAAAAABQAAABAHwAAAAAAACYAAAAAAAAAwOD//wAAAAAmAAAAZAAAABYAAABMAAAAAAAAAAAAAAAEAAAAAAAAAAEAAACAgIAKAAAAACgAAAAoAAAAZAAAAGQAAAAAAAAAzMzMAAAAAABQAAAAUAAAAGQAAABkAAAAAAAAABcAAAAUAAAAAAAAAAAAAAD/fwAA/38AAAAAAAAJAAAABAAAAAAAAAAeAAAAaAAAAAAAAAAAAAAAAAAAAAAAAAAAAAAAECcAABAnAAAAAAAAAAAAAAAAAAAAAAAAAAAAAAAAAAAAAAAAAAAAABQAAAAAAAAAwMD/AAAAAABkAAAAMgAAAAAAAABkAAAAAAAAAH9/fwAKAAAAIgAAABgAAAAAAAAAAAAAAAAAAAAAAAAAAAAAAAAAAAAkAAAAJAAAAAAAAAAHAAAAAAAAAAAAAAAAAAAAAAAAAAAAAAAAAAAAf39/ACUAAABYAAAAAAAAAAAAAAAAAAAAAAAAAAAAAAAAAAAAAAAAAAAAAAAAAAAAAAAAAAAAAAA/AAAAAAAAAKCGAQAAAAAAAAAAAAAAAAAMAAAAAQAAAAAAAAAAAAAAAAAAAB8AAABUAAAAAAAABQAAAAEAAAAAAAAAAAAAAAAAAAAAAAAAAAAAAAAAAAAAAAAAAAAAAAJ/f38AAAAAA8zMzADAwP8Af39/AAAAAAAAAAAAAAAAAAAAAAAAAAAAIQAAABgAAAAUAAAAwAMAALABAABARwAAuAgAABAAAAAmAAAACAAAAAAAAAAAAAAA"/>
+                <pr:smNativeData xmlns:pr="smNativeData" xmlns="smNativeData" val="SMDATA_15_D/RJaRMAAAAlAAAAZAAAAA0AAAAAkAAAAEgAAACQAAAASAAAAAAAAAABAAAAAAAAAAEAAABQAAAAAAAAAAAA4D8AAAAAAADgPwAAAAAAAOA/AAAAAAAA4D8AAAAAAADgPwAAAAAAAOA/AAAAAAAA4D8AAAAAAADgPwAAAAAAAOA/AAAAAAAA4D8CAAAAjAAAAAAAAAAAAAAAu+DjDP///wgAAAAAAAAAAAAAAAAAAAAAAAAAAAAAAAAAAAAAZAAAAAEAAABAAAAAAAAAAAAAAAAAAAAAAAAAAAAAAAAAAAAAAAAAAAAAAAAAAAAAAAAAAAAAAAAAAAAAAAAAAAAAAAAAAAAAAAAAAAAAAAAAAAAAAAAAAAAAAAAAAAAAFAAAADwAAAAAAAAAAAAAAAAAAAkUAAAAAQAAABQAAAAUAAAAFAAAAAEAAAAAAAAAZAAAAGQAAAAAAAAAZAAAAGQAAAAVAAAAYAAAAAAAAAAAAAAADwAAACADAAAAAAAAAAAAAAEAAACgMgAAVgcAAKr4//8BAAAAf39/AAEAAABkAAAAAAAAABQAAABAHwAAAAAAACYAAAAAAAAAwOD//wAAAAAmAAAAZAAAABYAAABMAAAAAAAAAAAAAAAEAAAAAAAAAAEAAACAgIAKAAAAACgAAAAoAAAAZAAAAGQAAAAAAAAAzMzMAAAAAABQAAAAUAAAAGQAAABkAAAAAAAAABcAAAAUAAAAAAAAAAAAAAD/fwAA/38AAAAAAAAJAAAABAAAAAAAAAAeAAAAaAAAAAAAAAAAAAAAAAAAAAAAAAAAAAAAECcAABAnAAAAAAAAAAAAAAAAAAAAAAAAAAAAAAAAAAAAAAAAAAAAABQAAAAAAAAAwMD/AAAAAABkAAAAMgAAAAAAAABkAAAAAAAAAH9/fwAKAAAAIgAAABgAAAAAAAAAAAAAAAAAAAAAAAAAAAAAAAAAAAAkAAAAJAAAAAAAAAAHAAAAAAAAAAAAAAAAAAAAAAAAAAAAAAAAAAAAf39/ACUAAABYAAAAAAAAAAAAAAAAAAAAAAAAAAAAAAAAAAAAAAAAAAAAAAAAAAAAAAAAAAAAAAA/AAAAAAAAAKCGAQAAAAAAAAAAAAAAAAAMAAAAAQAAAAAAAAAAAAAAAAAAAB8AAABUAAAAAAAABQAAAAEAAAAAAAAAAAAAAAAAAAAAAAAAAAAAAAAAAAAAAAAAAAAAAAJ/f38AAAAAA8zMzADAwP8Af39/AAAAAAAAAAAAAAAAAAAAAAAAAAAAIQAAABgAAAAUAAAAwAMAALABAABARwAAuAgAABAAAAAmAAAACAAAAAAAAAAAAAAA"/>
               </a:ext>
             </a:extLst>
           </p:cNvSpPr>
@@ -472,7 +472,7 @@
             <a:spLocks noGrp="1" noChangeArrowheads="1"/>
             <a:extLst>
               <a:ext uri="smNativeData">
-                <pr:smNativeData xmlns:pr="smNativeData" xmlns="smNativeData" val="SMDATA_15_msZJaRMAAAAlAAAAZAAAAA0AAAAAkAAAAEgAAACQAAAASAAAAAAAAAAAAAAAAQAAAAEAAABQAAAAAAAAAAAA4D8AAAAAAADgPwAAAAAAAOA/AAAAAAAA4D8AAAAAAADgPwAAAAAAAOA/AAAAAAAA4D8AAAAAAADgPwAAAAAAAOA/AAAAAAAA4D8CAAAAjAAAAAAAAAAAAAAAu+DjDP///wgAAAAAAAAAAAAAAAAAAAAAAAAAAAAAAAAAAAAAZAAAAAEAAABAAAAAAAAAAAAAAAAAAAAAAAAAAAAAAAAAAAAAAAAAAAAAAAAAAAAAAAAAAAAAAAAAAAAAAAAAAAAAAAAAAAAAAAAAAAAAAAAAAAAAAAAAAAAAAAAAAAAAFAAAADwAAAAAAAAAAAAAAAAAAAkUAAAAAQAAABQAAAAUAAAAFAAAAAEAAAAAAAAAZAAAAGQAAAAAAAAAZAAAAGQAAAAVAAAAYAAAAAAAAAAAAAAADwAAACADAAAAAAAAAAAAAAEAAACgMgAAVgcAAKr4//8BAAAAf39/AAEAAABkAAAAAAAAABQAAABAHwAAAAAAACYAAAAAAAAAwOD//wAAAAAmAAAAZAAAABYAAABMAAAAAAAAAAAAAAAEAAAAAAAAAAEAAACAgIAKAAAAACgAAAAoAAAAZAAAAGQAAAAAAAAAzMzMAAAAAABQAAAAUAAAAGQAAABkAAAAAAAAABcAAAAUAAAAAAAAAAAAAAD/fwAA/38AAAAAAAAJAAAABAAAAAAAAAAeAAAAaAAAAAAAAAAAAAAAAAAAAAAAAAAAAAAAECcAABAnAAAAAAAAAAAAAAAAAAAAAAAAAAAAAAAAAAAAAAAAAAAAABQAAAAAAAAAwMD/AAAAAABkAAAAMgAAAAAAAABkAAAAAAAAAH9/fwAKAAAAIgAAABgAAAAAAAAAAAAAAAAAAAAAAAAAAAAAAAAAAAAkAAAAJAAAAAAAAAAHAAAAAAAAAAAAAAAAAAAAAAAAAAAAAAAAAAAAf39/ACUAAABYAAAAAAAAAAAAAAAAAAAAAAAAAAAAAAAAAAAAAAAAAAAAAAAAAAAAAAAAAAAAAAA/AAAAAAAAAKCGAQAAAAAAAAAAAAAAAAAMAAAAAQAAAAAAAAAAAAAAAAAAAB8AAABUAAAAAAAABQAAAAEAAAAAAAAAAAAAAAAAAAAAAAAAAAAAAAAAAAAAAAAAAAAAAAJ/f38AAAAAA8zMzADAwP8Af39/AAAAAAAAAAAAAAAAAAAAAAAAAAAAIQAAABgAAAAUAAAAwAMAANgJAABARwAAsCUAABAAAAAmAAAACAAAAAIQAAAAAAAA"/>
+                <pr:smNativeData xmlns:pr="smNativeData" xmlns="smNativeData" val="SMDATA_15_D/RJaRMAAAAlAAAAZAAAAA0AAAAAkAAAAEgAAACQAAAASAAAAAAAAAAAAAAAAQAAAAEAAABQAAAAAAAAAAAA4D8AAAAAAADgPwAAAAAAAOA/AAAAAAAA4D8AAAAAAADgPwAAAAAAAOA/AAAAAAAA4D8AAAAAAADgPwAAAAAAAOA/AAAAAAAA4D8CAAAAjAAAAAAAAAAAAAAAu+DjDP///wgAAAAAAAAAAAAAAAAAAAAAAAAAAAAAAAAAAAAAZAAAAAEAAABAAAAAAAAAAAAAAAAAAAAAAAAAAAAAAAAAAAAAAAAAAAAAAAAAAAAAAAAAAAAAAAAAAAAAAAAAAAAAAAAAAAAAAAAAAAAAAAAAAAAAAAAAAAAAAAAAAAAAFAAAADwAAAAAAAAAAAAAAAAAAAkUAAAAAQAAABQAAAAUAAAAFAAAAAEAAAAAAAAAZAAAAGQAAAAAAAAAZAAAAGQAAAAVAAAAYAAAAAAAAAAAAAAADwAAACADAAAAAAAAAAAAAAEAAACgMgAAVgcAAKr4//8BAAAAf39/AAEAAABkAAAAAAAAABQAAABAHwAAAAAAACYAAAAAAAAAwOD//wAAAAAmAAAAZAAAABYAAABMAAAAAAAAAAAAAAAEAAAAAAAAAAEAAACAgIAKAAAAACgAAAAoAAAAZAAAAGQAAAAAAAAAzMzMAAAAAABQAAAAUAAAAGQAAABkAAAAAAAAABcAAAAUAAAAAAAAAAAAAAD/fwAA/38AAAAAAAAJAAAABAAAAAAAAAAeAAAAaAAAAAAAAAAAAAAAAAAAAAAAAAAAAAAAECcAABAnAAAAAAAAAAAAAAAAAAAAAAAAAAAAAAAAAAAAAAAAAAAAABQAAAAAAAAAwMD/AAAAAABkAAAAMgAAAAAAAABkAAAAAAAAAH9/fwAKAAAAIgAAABgAAAAAAAAAAAAAAAAAAAAAAAAAAAAAAAAAAAAkAAAAJAAAAAAAAAAHAAAAAAAAAAAAAAAAAAAAAAAAAAAAAAAAAAAAf39/ACUAAABYAAAAAAAAAAAAAAAAAAAAAAAAAAAAAAAAAAAAAAAAAAAAAAAAAAAAAAAAAAAAAAA/AAAAAAAAAKCGAQAAAAAAAAAAAAAAAAAMAAAAAQAAAAAAAAAAAAAAAAAAAB8AAABUAAAAAAAABQAAAAEAAAAAAAAAAAAAAAAAAAAAAAAAAAAAAAAAAAAAAAAAAAAAAAJ/f38AAAAAA8zMzADAwP8Af39/AAAAAAAAAAAAAAAAAAAAAAAAAAAAIQAAABgAAAAUAAAAwAMAANgJAABARwAAsCUAABAAAAAmAAAACAAAAAIQAAAAAAAA"/>
               </a:ext>
             </a:extLst>
           </p:cNvSpPr>
@@ -527,7 +527,7 @@
             <a:spLocks noGrp="1" noChangeArrowheads="1"/>
             <a:extLst>
               <a:ext uri="smNativeData">
-                <pr:smNativeData xmlns:pr="smNativeData" xmlns="smNativeData" val="SMDATA_15_msZJaRMAAAAlAAAAZAAAAA0AAAAAkAAAAEgAAACQAAAASAAAAAAAAAABAAAAAAAAAAEAAABQAAAAAAAAAAAA4D8AAAAAAADgPwAAAAAAAOA/AAAAAAAA4D8AAAAAAADgPwAAAAAAAOA/AAAAAAAA4D8AAAAAAADgPwAAAAAAAOA/AAAAAAAA4D8CAAAAjAAAAAAAAAAAAAAAu+DjDP///wgAAAAAAAAAAAAAAAAAAAAAAAAAAAAAAAAAAAAAZAAAAAEAAABAAAAAAAAAAAAAAAAAAAAAAAAAAAAAAAAAAAAAAAAAAAAAAAAAAAAAAAAAAAAAAAAAAAAAAAAAAAAAAAAAAAAAAAAAAAAAAAAAAAAAAAAAAAAAAAAAAAAAFAAAADwAAAAAAAAAAAAAAAAAAAkUAAAAAQAAABQAAAAUAAAAFAAAAAEAAAAAAAAAZAAAAGQAAAAAAAAAZAAAAGQAAAAVAAAAYAAAAAAAAAAAAAAADwAAACADAAAAAAAAAAAAAAEAAACgMgAAVgcAAKr4//8BAAAAf39/AAEAAABkAAAAAAAAABQAAABAHwAAAAAAACYAAAAAAAAAwOD//wAAAAAmAAAAZAAAABYAAABMAAAAAAAAAAAAAAAEAAAAAAAAAAEAAACAgIAKAAAAACgAAAAoAAAAZAAAAGQAAAAAAAAAzMzMAAAAAABQAAAAUAAAAGQAAABkAAAAAAAAABcAAAAUAAAAAAAAAAAAAAD/fwAA/38AAAAAAAAJAAAABAAAAAAAAAAeAAAAaAAAAAAAAAAAAAAAAAAAAAAAAAAAAAAAECcAABAnAAAAAAAAAAAAAAAAAAAAAAAAAAAAAAAAAAAAAAAAAAAAABQAAAAAAAAAwMD/AAAAAABkAAAAMgAAAAAAAABkAAAAAAAAAH9/fwAKAAAAIgAAABgAAAAAAAAAAAAAAAAAAAAAAAAAAAAAAAAAAAAkAAAAJAAAAAAAAAAHAAAAAAAAAAAAAAAAAAAAAAAAAAAAAAAAAAAAf39/ACUAAABYAAAAAAAAAAAAAAAAAAAAAAAAAAAAAAAAAAAAAAAAAAAAAAAAAAAAAAAAAAAAAAA/AAAAAAAAAKCGAQAAAAAAAAAAAAAAAAAMAAAAAQAAAAAAAAAAAAAAAAAAAB8AAABUAAAAAAAABQAAAAEAAAAAAAAAAAAAAAAAAAAAAAAAAAAAAAAAAAAAAAAAAAAAAAJ/f38AAAAAA8zMzADAwP8Af39/AAAAAAAAAAAAAAAAAAAAAAAAAAAAIQAAABgAAAAUAAAAwAMAABsnAAA/FQAAWSkAABAAAAAmAAAACAAAAAAAAAAAAAAA"/>
+                <pr:smNativeData xmlns:pr="smNativeData" xmlns="smNativeData" val="SMDATA_15_D/RJaRMAAAAlAAAAZAAAAA0AAAAAkAAAAEgAAACQAAAASAAAAAAAAAABAAAAAAAAAAEAAABQAAAAAAAAAAAA4D8AAAAAAADgPwAAAAAAAOA/AAAAAAAA4D8AAAAAAADgPwAAAAAAAOA/AAAAAAAA4D8AAAAAAADgPwAAAAAAAOA/AAAAAAAA4D8CAAAAjAAAAAAAAAAAAAAAu+DjDP///wgAAAAAAAAAAAAAAAAAAAAAAAAAAAAAAAAAAAAAZAAAAAEAAABAAAAAAAAAAAAAAAAAAAAAAAAAAAAAAAAAAAAAAAAAAAAAAAAAAAAAAAAAAAAAAAAAAAAAAAAAAAAAAAAAAAAAAAAAAAAAAAAAAAAAAAAAAAAAAAAAAAAAFAAAADwAAAAAAAAAAAAAAAAAAAkUAAAAAQAAABQAAAAUAAAAFAAAAAEAAAAAAAAAZAAAAGQAAAAAAAAAZAAAAGQAAAAVAAAAYAAAAAAAAAAAAAAADwAAACADAAAAAAAAAAAAAAEAAACgMgAAVgcAAKr4//8BAAAAf39/AAEAAABkAAAAAAAAABQAAABAHwAAAAAAACYAAAAAAAAAwOD//wAAAAAmAAAAZAAAABYAAABMAAAAAAAAAAAAAAAEAAAAAAAAAAEAAACAgIAKAAAAACgAAAAoAAAAZAAAAGQAAAAAAAAAzMzMAAAAAABQAAAAUAAAAGQAAABkAAAAAAAAABcAAAAUAAAAAAAAAAAAAAD/fwAA/38AAAAAAAAJAAAABAAAAAAAAAAeAAAAaAAAAAAAAAAAAAAAAAAAAAAAAAAAAAAAECcAABAnAAAAAAAAAAAAAAAAAAAAAAAAAAAAAAAAAAAAAAAAAAAAABQAAAAAAAAAwMD/AAAAAABkAAAAMgAAAAAAAABkAAAAAAAAAH9/fwAKAAAAIgAAABgAAAAAAAAAAAAAAAAAAAAAAAAAAAAAAAAAAAAkAAAAJAAAAAAAAAAHAAAAAAAAAAAAAAAAAAAAAAAAAAAAAAAAAAAAf39/ACUAAABYAAAAAAAAAAAAAAAAAAAAAAAAAAAAAAAAAAAAAAAAAAAAAAAAAAAAAAAAAAAAAAA/AAAAAAAAAKCGAQAAAAAAAAAAAAAAAAAMAAAAAQAAAAAAAAAAAAAAAAAAAB8AAABUAAAAAAAABQAAAAEAAAAAAAAAAAAAAAAAAAAAAAAAAAAAAAAAAAAAAAAAAAAAAAJ/f38AAAAAA8zMzADAwP8Af39/AAAAAAAAAAAAAAAAAAAAAAAAAAAAIQAAABgAAAAUAAAAwAMAABsnAAA/FQAAWSkAABAAAAAmAAAACAAAAAAAAAAAAAAA"/>
               </a:ext>
             </a:extLst>
           </p:cNvSpPr>
@@ -541,7 +541,7 @@
           <a:lstStyle/>
           <a:p>
             <a:pPr/>
-            <a:fld id="{0DCF472B-65E0-9AB1-AE77-93E4093958C6}" type="datetime1">
+            <a:fld id="{0C3DC289-C7E1-6834-AF85-31618CCB5964}" type="datetime1">
               <a:t>12/16/2025</a:t>
             </a:fld>
           </a:p>
@@ -554,7 +554,7 @@
             <a:spLocks noGrp="1" noChangeArrowheads="1"/>
             <a:extLst>
               <a:ext uri="smNativeData">
-                <pr:smNativeData xmlns:pr="smNativeData" xmlns="smNativeData" val="SMDATA_15_msZJaRMAAAAlAAAAZAAAAA0AAAAAkAAAAEgAAACQAAAASAAAAAAAAAABAAAAAAAAAAEAAABQAAAAAAAAAAAA4D8AAAAAAADgPwAAAAAAAOA/AAAAAAAA4D8AAAAAAADgPwAAAAAAAOA/AAAAAAAA4D8AAAAAAADgPwAAAAAAAOA/AAAAAAAA4D8CAAAAjAAAAAAAAAAAAAAAu+DjDP///wgAAAAAAAAAAAAAAAAAAAAAAAAAAAAAAAAAAAAAZAAAAAEAAABAAAAAAAAAAAAAAAAAAAAAAAAAAAAAAAAAAAAAAAAAAAAAAAAAAAAAAAAAAAAAAAAAAAAAAAAAAAAAAAAAAAAAAAAAAAAAAAAAAAAAAAAAAAAAAAAAAAAAFAAAADwAAAAAAAAAAAAAAAAAAAkUAAAAAQAAABQAAAAUAAAAFAAAAAEAAAAAAAAAZAAAAGQAAAAAAAAAZAAAAGQAAAAVAAAAYAAAAAAAAAAAAAAADwAAACADAAAAAAAAAAAAAAEAAACgMgAAVgcAAKr4//8BAAAAf39/AAEAAABkAAAAAAAAABQAAABAHwAAAAAAACYAAAAAAAAAwOD//wAAAAAmAAAAZAAAABYAAABMAAAAAAAAAAAAAAAEAAAAAAAAAAEAAACAgIAKAAAAACgAAAAoAAAAZAAAAGQAAAAAAAAAzMzMAAAAAABQAAAAUAAAAGQAAABkAAAAAAAAABcAAAAUAAAAAAAAAAAAAAD/fwAA/38AAAAAAAAJAAAABAAAAAAAAAAeAAAAaAAAAAAAAAAAAAAAAAAAAAAAAAAAAAAAECcAABAnAAAAAAAAAAAAAAAAAAAAAAAAAAAAAAAAAAAAAAAAAAAAABQAAAAAAAAAwMD/AAAAAABkAAAAMgAAAAAAAABkAAAAAAAAAH9/fwAKAAAAIgAAABgAAAAAAAAAAAAAAAAAAAAAAAAAAAAAAAAAAAAkAAAAJAAAAAAAAAAHAAAAAAAAAAAAAAAAAAAAAAAAAAAAAAAAAAAAf39/ACUAAABYAAAAAAAAAAAAAAAAAAAAAAAAAAAAAAAAAAAAAAAAAAAAAAAAAAAAAAAAAAAAAAA/AAAAAAAAAKCGAQAAAAAAAAAAAAAAAAAMAAAAAQAAAAAAAAAAAAAAAAAAAB8AAABUAAAAAAAABQAAAAEAAAAAAAAAAAAAAAAAAAAAAAAAAAAAAAAAAAAAAAAAAAAAAAJ/f38AAAAAA8zMzADAwP8Af39/AAAAAAAAAAAAAAAAAAAAAAAAAAAAIQAAABgAAAAUAAAAoRkAABsnAABfMQAAWSkAABAAAAAmAAAACAAAAAAAAAAAAAAA"/>
+                <pr:smNativeData xmlns:pr="smNativeData" xmlns="smNativeData" val="SMDATA_15_D/RJaRMAAAAlAAAAZAAAAA0AAAAAkAAAAEgAAACQAAAASAAAAAAAAAABAAAAAAAAAAEAAABQAAAAAAAAAAAA4D8AAAAAAADgPwAAAAAAAOA/AAAAAAAA4D8AAAAAAADgPwAAAAAAAOA/AAAAAAAA4D8AAAAAAADgPwAAAAAAAOA/AAAAAAAA4D8CAAAAjAAAAAAAAAAAAAAAu+DjDP///wgAAAAAAAAAAAAAAAAAAAAAAAAAAAAAAAAAAAAAZAAAAAEAAABAAAAAAAAAAAAAAAAAAAAAAAAAAAAAAAAAAAAAAAAAAAAAAAAAAAAAAAAAAAAAAAAAAAAAAAAAAAAAAAAAAAAAAAAAAAAAAAAAAAAAAAAAAAAAAAAAAAAAFAAAADwAAAAAAAAAAAAAAAAAAAkUAAAAAQAAABQAAAAUAAAAFAAAAAEAAAAAAAAAZAAAAGQAAAAAAAAAZAAAAGQAAAAVAAAAYAAAAAAAAAAAAAAADwAAACADAAAAAAAAAAAAAAEAAACgMgAAVgcAAKr4//8BAAAAf39/AAEAAABkAAAAAAAAABQAAABAHwAAAAAAACYAAAAAAAAAwOD//wAAAAAmAAAAZAAAABYAAABMAAAAAAAAAAAAAAAEAAAAAAAAAAEAAACAgIAKAAAAACgAAAAoAAAAZAAAAGQAAAAAAAAAzMzMAAAAAABQAAAAUAAAAGQAAABkAAAAAAAAABcAAAAUAAAAAAAAAAAAAAD/fwAA/38AAAAAAAAJAAAABAAAAAAAAAAeAAAAaAAAAAAAAAAAAAAAAAAAAAAAAAAAAAAAECcAABAnAAAAAAAAAAAAAAAAAAAAAAAAAAAAAAAAAAAAAAAAAAAAABQAAAAAAAAAwMD/AAAAAABkAAAAMgAAAAAAAABkAAAAAAAAAH9/fwAKAAAAIgAAABgAAAAAAAAAAAAAAAAAAAAAAAAAAAAAAAAAAAAkAAAAJAAAAAAAAAAHAAAAAAAAAAAAAAAAAAAAAAAAAAAAAAAAAAAAf39/ACUAAABYAAAAAAAAAAAAAAAAAAAAAAAAAAAAAAAAAAAAAAAAAAAAAAAAAAAAAAAAAAAAAAA/AAAAAAAAAKCGAQAAAAAAAAAAAAAAAAAMAAAAAQAAAAAAAAAAAAAAAAAAAB8AAABUAAAAAAAABQAAAAEAAAAAAAAAAAAAAAAAAAAAAAAAAAAAAAAAAAAAAAAAAAAAAAJ/f38AAAAAA8zMzADAwP8Af39/AAAAAAAAAAAAAAAAAAAAAAAAAAAAIQAAABgAAAAUAAAAoRkAABsnAABfMQAAWSkAABAAAAAmAAAACAAAAAAAAAAAAAAA"/>
               </a:ext>
             </a:extLst>
           </p:cNvSpPr>
@@ -578,7 +578,7 @@
             <a:spLocks noGrp="1" noChangeArrowheads="1"/>
             <a:extLst>
               <a:ext uri="smNativeData">
-                <pr:smNativeData xmlns:pr="smNativeData" xmlns="smNativeData" val="SMDATA_15_msZJaRMAAAAlAAAAZAAAAA0AAAAAkAAAAEgAAACQAAAASAAAAAAAAAABAAAAAAAAAAEAAABQAAAAAAAAAAAA4D8AAAAAAADgPwAAAAAAAOA/AAAAAAAA4D8AAAAAAADgPwAAAAAAAOA/AAAAAAAA4D8AAAAAAADgPwAAAAAAAOA/AAAAAAAA4D8CAAAAjAAAAAAAAAAAAAAAu+DjDP///wgAAAAAAAAAAAAAAAAAAAAAAAAAAAAAAAAAAAAAZAAAAAEAAABAAAAAAAAAAAAAAAAAAAAAAAAAAAAAAAAAAAAAAAAAAAAAAAAAAAAAAAAAAAAAAAAAAAAAAAAAAAAAAAAAAAAAAAAAAAAAAAAAAAAAAAAAAAAAAAAAAAAAFAAAADwAAAAAAAAAAAAAAAAAAAkUAAAAAQAAABQAAAAUAAAAFAAAAAEAAAAAAAAAZAAAAGQAAAAAAAAAZAAAAGQAAAAVAAAAYAAAAAAAAAAAAAAADwAAACADAAAAAAAAAAAAAAEAAACgMgAAVgcAAKr4//8BAAAAf39/AAEAAABkAAAAAAAAABQAAABAHwAAAAAAACYAAAAAAAAAwOD//wAAAAAmAAAAZAAAABYAAABMAAAAAAAAAAAAAAAEAAAAAAAAAAEAAACAgIAKAAAAACgAAAAoAAAAZAAAAGQAAAAAAAAAzMzMAAAAAABQAAAAUAAAAGQAAABkAAAAAAAAABcAAAAUAAAAAAAAAAAAAAD/fwAA/38AAAAAAAAJAAAABAAAAAAAAAAeAAAAaAAAAAAAAAAAAAAAAAAAAAAAAAAAAAAAECcAABAnAAAAAAAAAAAAAAAAAAAAAAAAAAAAAAAAAAAAAAAAAAAAABQAAAAAAAAAwMD/AAAAAABkAAAAMgAAAAAAAABkAAAAAAAAAH9/fwAKAAAAIgAAABgAAAAAAAAAAAAAAAAAAAAAAAAAAAAAAAAAAAAkAAAAJAAAAAAAAAAHAAAAAAAAAAAAAAAAAAAAAAAAAAAAAAAAAAAAf39/ACUAAABYAAAAAAAAAAAAAAAAAAAAAAAAAAAAAAAAAAAAAAAAAAAAAAAAAAAAAAAAAAAAAAA/AAAAAAAAAKCGAQAAAAAAAAAAAAAAAAAMAAAAAQAAAAAAAAAAAAAAAAAAAB8AAABUAAAAAAAABQAAAAEAAAAAAAAAAAAAAAAAAAAAAAAAAAAAAAAAAAAAAAAAAAAAAAJ/f38AAAAAA8zMzADAwP8Af39/AAAAAAAAAAAAAAAAAAAAAAAAAAAAIQAAABgAAAAUAAAAwTUAABsnAABARwAAWSkAABAAAAAmAAAACAAAAAAAAAAAAAAA"/>
+                <pr:smNativeData xmlns:pr="smNativeData" xmlns="smNativeData" val="SMDATA_15_D/RJaRMAAAAlAAAAZAAAAA0AAAAAkAAAAEgAAACQAAAASAAAAAAAAAABAAAAAAAAAAEAAABQAAAAAAAAAAAA4D8AAAAAAADgPwAAAAAAAOA/AAAAAAAA4D8AAAAAAADgPwAAAAAAAOA/AAAAAAAA4D8AAAAAAADgPwAAAAAAAOA/AAAAAAAA4D8CAAAAjAAAAAAAAAAAAAAAu+DjDP///wgAAAAAAAAAAAAAAAAAAAAAAAAAAAAAAAAAAAAAZAAAAAEAAABAAAAAAAAAAAAAAAAAAAAAAAAAAAAAAAAAAAAAAAAAAAAAAAAAAAAAAAAAAAAAAAAAAAAAAAAAAAAAAAAAAAAAAAAAAAAAAAAAAAAAAAAAAAAAAAAAAAAAFAAAADwAAAAAAAAAAAAAAAAAAAkUAAAAAQAAABQAAAAUAAAAFAAAAAEAAAAAAAAAZAAAAGQAAAAAAAAAZAAAAGQAAAAVAAAAYAAAAAAAAAAAAAAADwAAACADAAAAAAAAAAAAAAEAAACgMgAAVgcAAKr4//8BAAAAf39/AAEAAABkAAAAAAAAABQAAABAHwAAAAAAACYAAAAAAAAAwOD//wAAAAAmAAAAZAAAABYAAABMAAAAAAAAAAAAAAAEAAAAAAAAAAEAAACAgIAKAAAAACgAAAAoAAAAZAAAAGQAAAAAAAAAzMzMAAAAAABQAAAAUAAAAGQAAABkAAAAAAAAABcAAAAUAAAAAAAAAAAAAAD/fwAA/38AAAAAAAAJAAAABAAAAAAAAAAeAAAAaAAAAAAAAAAAAAAAAAAAAAAAAAAAAAAAECcAABAnAAAAAAAAAAAAAAAAAAAAAAAAAAAAAAAAAAAAAAAAAAAAABQAAAAAAAAAwMD/AAAAAABkAAAAMgAAAAAAAABkAAAAAAAAAH9/fwAKAAAAIgAAABgAAAAAAAAAAAAAAAAAAAAAAAAAAAAAAAAAAAAkAAAAJAAAAAAAAAAHAAAAAAAAAAAAAAAAAAAAAAAAAAAAAAAAAAAAf39/ACUAAABYAAAAAAAAAAAAAAAAAAAAAAAAAAAAAAAAAAAAAAAAAAAAAAAAAAAAAAAAAAAAAAA/AAAAAAAAAKCGAQAAAAAAAAAAAAAAAAAMAAAAAQAAAAAAAAAAAAAAAAAAAB8AAABUAAAAAAAABQAAAAEAAAAAAAAAAAAAAAAAAAAAAAAAAAAAAAAAAAAAAAAAAAAAAAJ/f38AAAAAA8zMzADAwP8Af39/AAAAAAAAAAAAAAAAAAAAAAAAAAAAIQAAABgAAAAUAAAAwTUAABsnAABARwAAWSkAABAAAAAmAAAACAAAAAAAAAAAAAAA"/>
               </a:ext>
             </a:extLst>
           </p:cNvSpPr>
@@ -592,7 +592,7 @@
           <a:lstStyle/>
           <a:p>
             <a:pPr/>
-            <a:fld id="{0DCF184D-03E0-9AEE-AE77-F5BB563958A0}" type="slidenum">
+            <a:fld id="{0C3DA7E8-A6E1-6851-AF85-5004E9CB5905}" type="slidenum">
               <a:t>‹#›</a:t>
             </a:fld>
           </a:p>
@@ -631,7 +631,7 @@
             <a:spLocks noGrp="1" noChangeArrowheads="1"/>
             <a:extLst>
               <a:ext uri="smNativeData">
-                <pr:smNativeData xmlns:pr="smNativeData" xmlns="smNativeData" val="SMDATA_15_msZJaRMAAAAlAAAAZAAAAA0AAAAAkAAAAEgAAACQAAAASAAAAAAAAAACAAAAAQAAAAEAAABQAAAAAAAAAAAA4D8AAAAAAADgPwAAAAAAAOA/AAAAAAAA4D8AAAAAAADgPwAAAAAAAOA/AAAAAAAA4D8AAAAAAADgPwAAAAAAAOA/AAAAAAAA4D8CAAAAjAAAAAAAAAAAAAAAu+DjDP///wgAAAAAAAAAAAAAAAAAAAAAAAAAAAAAAAAAAAAAZAAAAAEAAABAAAAAAAAAAAAAAAAAAAAAAAAAAAAAAAAAAAAAAAAAAAAAAAAAAAAAAAAAAAAAAAAAAAAAAAAAAAAAAAAAAAAAAAAAAAAAAAAAAAAAAAAAAAAAAAAAAAAAFAAAADwAAAAAAAAAAAAAAAAAAAkUAAAAAQAAABQAAAAUAAAAFAAAAAEAAAAAAAAAZAAAAGQAAAAAAAAAZAAAAGQAAAAVAAAAYAAAAAAAAAAAAAAADwAAACADAAAAAAAAAAAAAAEAAACgMgAAVgcAAKr4//8BAAAAf39/AAEAAABkAAAAAAAAABQAAABAHwAAAAAAACYAAAAAAAAAwOD//wAAAAAmAAAAZAAAABYAAABMAAAAAAAAAAAAAAAEAAAAAAAAAAEAAACAgIAKAAAAACgAAAAoAAAAZAAAAGQAAAAAAAAAzMzMAAAAAABQAAAAUAAAAGQAAABkAAAAAAAAABcAAAAUAAAAAAAAAAAAAAD/fwAA/38AAAAAAAAJAAAABAAAAAAAAAAeAAAAaAAAAAAAAAAAAAAAAAAAAAAAAAAAAAAAECcAABAnAAAAAAAAAAAAAAAAAAAAAAAAAAAAAAAAAAAAAAAAAAAAABQAAAAAAAAAwMD/AAAAAABkAAAAMgAAAAAAAABkAAAAAAAAAH9/fwAKAAAAIgAAABgAAAAAAAAAAAAAAAAAAAAAAAAAAAAAAAAAAAAkAAAAJAAAAAAAAAAHAAAAAAAAAAAAAAAAAAAAAAAAAAAAAAAAAAAAf39/ACUAAABYAAAAAAAAAAAAAAAAAAAAAAAAAAAAAAAAAAAAAAAAAAAAAAAAAAAAAAAAAAAAAAA/AAAAAAAAAKCGAQAAAAAAAAAAAAAAAAAMAAAAAQAAAAAAAAAAAAAAAAAAAB8AAABUAAAAAAAABQAAAAEAAAAAAAAAAAAAAAAAAAAAAAAAAAAAAAAAAAAAAAAAAAAAAAJ/f38AAAAAA8zMzADAwP8Af39/AAAAAAAAAAAAAAAAAAAAAAAAAAAAIQAAABgAAAAUAAAAYDYAALABAABARwAAsCUAABAAAAAmAAAACAAAAIMQAAAAAAAA"/>
+                <pr:smNativeData xmlns:pr="smNativeData" xmlns="smNativeData" val="SMDATA_15_D/RJaRMAAAAlAAAAZAAAAA0AAAAAkAAAAEgAAACQAAAASAAAAAAAAAACAAAAAQAAAAEAAABQAAAAAAAAAAAA4D8AAAAAAADgPwAAAAAAAOA/AAAAAAAA4D8AAAAAAADgPwAAAAAAAOA/AAAAAAAA4D8AAAAAAADgPwAAAAAAAOA/AAAAAAAA4D8CAAAAjAAAAAAAAAAAAAAAu+DjDP///wgAAAAAAAAAAAAAAAAAAAAAAAAAAAAAAAAAAAAAZAAAAAEAAABAAAAAAAAAAAAAAAAAAAAAAAAAAAAAAAAAAAAAAAAAAAAAAAAAAAAAAAAAAAAAAAAAAAAAAAAAAAAAAAAAAAAAAAAAAAAAAAAAAAAAAAAAAAAAAAAAAAAAFAAAADwAAAAAAAAAAAAAAAAAAAkUAAAAAQAAABQAAAAUAAAAFAAAAAEAAAAAAAAAZAAAAGQAAAAAAAAAZAAAAGQAAAAVAAAAYAAAAAAAAAAAAAAADwAAACADAAAAAAAAAAAAAAEAAACgMgAAVgcAAKr4//8BAAAAf39/AAEAAABkAAAAAAAAABQAAABAHwAAAAAAACYAAAAAAAAAwOD//wAAAAAmAAAAZAAAABYAAABMAAAAAAAAAAAAAAAEAAAAAAAAAAEAAACAgIAKAAAAACgAAAAoAAAAZAAAAGQAAAAAAAAAzMzMAAAAAABQAAAAUAAAAGQAAABkAAAAAAAAABcAAAAUAAAAAAAAAAAAAAD/fwAA/38AAAAAAAAJAAAABAAAAAAAAAAeAAAAaAAAAAAAAAAAAAAAAAAAAAAAAAAAAAAAECcAABAnAAAAAAAAAAAAAAAAAAAAAAAAAAAAAAAAAAAAAAAAAAAAABQAAAAAAAAAwMD/AAAAAABkAAAAMgAAAAAAAABkAAAAAAAAAH9/fwAKAAAAIgAAABgAAAAAAAAAAAAAAAAAAAAAAAAAAAAAAAAAAAAkAAAAJAAAAAAAAAAHAAAAAAAAAAAAAAAAAAAAAAAAAAAAAAAAAAAAf39/ACUAAABYAAAAAAAAAAAAAAAAAAAAAAAAAAAAAAAAAAAAAAAAAAAAAAAAAAAAAAAAAAAAAAA/AAAAAAAAAKCGAQAAAAAAAAAAAAAAAAAMAAAAAQAAAAAAAAAAAAAAAAAAAB8AAABUAAAAAAAABQAAAAEAAAAAAAAAAAAAAAAAAAAAAAAAAAAAAAAAAAAAAAAAAAAAAAJ/f38AAAAAA8zMzADAwP8Af39/AAAAAAAAAAAAAAAAAAAAAAAAAAAAIQAAABgAAAAUAAAAYDYAALABAABARwAAsCUAABAAAAAmAAAACAAAAIMQAAAAAAAA"/>
               </a:ext>
             </a:extLst>
           </p:cNvSpPr>
@@ -667,7 +667,7 @@
             <a:spLocks noGrp="1" noChangeArrowheads="1"/>
             <a:extLst>
               <a:ext uri="smNativeData">
-                <pr:smNativeData xmlns:pr="smNativeData" xmlns="smNativeData" val="SMDATA_15_msZJaRMAAAAlAAAAZAAAAA0AAAAAkAAAAEgAAACQAAAASAAAAAAAAAAAAAAAAQAAAAEAAABQAAAAAAAAAAAA4D8AAAAAAADgPwAAAAAAAOA/AAAAAAAA4D8AAAAAAADgPwAAAAAAAOA/AAAAAAAA4D8AAAAAAADgPwAAAAAAAOA/AAAAAAAA4D8CAAAAjAAAAAAAAAAAAAAAu+DjDP///wgAAAAAAAAAAAAAAAAAAAAAAAAAAAAAAAAAAAAAZAAAAAEAAABAAAAAAAAAAAAAAAAAAAAAAAAAAAAAAAAAAAAAAAAAAAAAAAAAAAAAAAAAAAAAAAAAAAAAAAAAAAAAAAAAAAAAAAAAAAAAAAAAAAAAAAAAAAAAAAAAAAAAFAAAADwAAAAAAAAAAAAAAAAAAAkUAAAAAQAAABQAAAAUAAAAFAAAAAEAAAAAAAAAZAAAAGQAAAAAAAAAZAAAAGQAAAAVAAAAYAAAAAAAAAAAAAAADwAAACADAAAAAAAAAAAAAAEAAACgMgAAVgcAAKr4//8BAAAAf39/AAEAAABkAAAAAAAAABQAAABAHwAAAAAAACYAAAAAAAAAwOD//wAAAAAmAAAAZAAAABYAAABMAAAAAAAAAAAAAAAEAAAAAAAAAAEAAACAgIAKAAAAACgAAAAoAAAAZAAAAGQAAAAAAAAAzMzMAAAAAABQAAAAUAAAAGQAAABkAAAAAAAAABcAAAAUAAAAAAAAAAAAAAD/fwAA/38AAAAAAAAJAAAABAAAAAAAAAAeAAAAaAAAAAAAAAAAAAAAAAAAAAAAAAAAAAAAECcAABAnAAAAAAAAAAAAAAAAAAAAAAAAAAAAAAAAAAAAAAAAAAAAABQAAAAAAAAAwMD/AAAAAABkAAAAMgAAAAAAAABkAAAAAAAAAH9/fwAKAAAAIgAAABgAAAAAAAAAAAAAAAAAAAAAAAAAAAAAAAAAAAAkAAAAJAAAAAAAAAAHAAAAAAAAAAAAAAAAAAAAAAAAAAAAAAAAAAAAf39/ACUAAABYAAAAAAAAAAAAAAAAAAAAAAAAAAAAAAAAAAAAAAAAAAAAAAAAAAAAAAAAAAAAAAA/AAAAAAAAAKCGAQAAAAAAAAAAAAAAAAAMAAAAAQAAAAAAAAAAAAAAAAAAAB8AAABUAAAAAAAABQAAAAEAAAAAAAAAAAAAAAAAAAAAAAAAAAAAAAAAAAAAAAAAAAAAAAJ/f38AAAAAA8zMzADAwP8Af39/AAAAAAAAAAAAAAAAAAAAAAAAAAAAIQAAABgAAAAUAAAAwAMAALABAAAfNQAAsCUAABAAAAAmAAAACAAAAAMQAAAAAAAA"/>
+                <pr:smNativeData xmlns:pr="smNativeData" xmlns="smNativeData" val="SMDATA_15_D/RJaRMAAAAlAAAAZAAAAA0AAAAAkAAAAEgAAACQAAAASAAAAAAAAAAAAAAAAQAAAAEAAABQAAAAAAAAAAAA4D8AAAAAAADgPwAAAAAAAOA/AAAAAAAA4D8AAAAAAADgPwAAAAAAAOA/AAAAAAAA4D8AAAAAAADgPwAAAAAAAOA/AAAAAAAA4D8CAAAAjAAAAAAAAAAAAAAAu+DjDP///wgAAAAAAAAAAAAAAAAAAAAAAAAAAAAAAAAAAAAAZAAAAAEAAABAAAAAAAAAAAAAAAAAAAAAAAAAAAAAAAAAAAAAAAAAAAAAAAAAAAAAAAAAAAAAAAAAAAAAAAAAAAAAAAAAAAAAAAAAAAAAAAAAAAAAAAAAAAAAAAAAAAAAFAAAADwAAAAAAAAAAAAAAAAAAAkUAAAAAQAAABQAAAAUAAAAFAAAAAEAAAAAAAAAZAAAAGQAAAAAAAAAZAAAAGQAAAAVAAAAYAAAAAAAAAAAAAAADwAAACADAAAAAAAAAAAAAAEAAACgMgAAVgcAAKr4//8BAAAAf39/AAEAAABkAAAAAAAAABQAAABAHwAAAAAAACYAAAAAAAAAwOD//wAAAAAmAAAAZAAAABYAAABMAAAAAAAAAAAAAAAEAAAAAAAAAAEAAACAgIAKAAAAACgAAAAoAAAAZAAAAGQAAAAAAAAAzMzMAAAAAABQAAAAUAAAAGQAAABkAAAAAAAAABcAAAAUAAAAAAAAAAAAAAD/fwAA/38AAAAAAAAJAAAABAAAAAAAAAAeAAAAaAAAAAAAAAAAAAAAAAAAAAAAAAAAAAAAECcAABAnAAAAAAAAAAAAAAAAAAAAAAAAAAAAAAAAAAAAAAAAAAAAABQAAAAAAAAAwMD/AAAAAABkAAAAMgAAAAAAAABkAAAAAAAAAH9/fwAKAAAAIgAAABgAAAAAAAAAAAAAAAAAAAAAAAAAAAAAAAAAAAAkAAAAJAAAAAAAAAAHAAAAAAAAAAAAAAAAAAAAAAAAAAAAAAAAAAAAf39/ACUAAABYAAAAAAAAAAAAAAAAAAAAAAAAAAAAAAAAAAAAAAAAAAAAAAAAAAAAAAAAAAAAAAA/AAAAAAAAAKCGAQAAAAAAAAAAAAAAAAAMAAAAAQAAAAAAAAAAAAAAAAAAAB8AAABUAAAAAAAABQAAAAEAAAAAAAAAAAAAAAAAAAAAAAAAAAAAAAAAAAAAAAAAAAAAAAJ/f38AAAAAA8zMzADAwP8Af39/AAAAAAAAAAAAAAAAAAAAAAAAAAAAIQAAABgAAAAUAAAAwAMAALABAAAfNQAAsCUAABAAAAAmAAAACAAAAAMQAAAAAAAA"/>
               </a:ext>
             </a:extLst>
           </p:cNvSpPr>
@@ -727,7 +727,7 @@
             <a:spLocks noGrp="1" noChangeArrowheads="1"/>
             <a:extLst>
               <a:ext uri="smNativeData">
-                <pr:smNativeData xmlns:pr="smNativeData" xmlns="smNativeData" val="SMDATA_15_msZJaRMAAAAlAAAAZAAAAA0AAAAAkAAAAEgAAACQAAAASAAAAAAAAAABAAAAAAAAAAEAAABQAAAAAAAAAAAA4D8AAAAAAADgPwAAAAAAAOA/AAAAAAAA4D8AAAAAAADgPwAAAAAAAOA/AAAAAAAA4D8AAAAAAADgPwAAAAAAAOA/AAAAAAAA4D8CAAAAjAAAAAAAAAAAAAAAu+DjDP///wgAAAAAAAAAAAAAAAAAAAAAAAAAAAAAAAAAAAAAZAAAAAEAAABAAAAAAAAAAAAAAAAAAAAAAAAAAAAAAAAAAAAAAAAAAAAAAAAAAAAAAAAAAAAAAAAAAAAAAAAAAAAAAAAAAAAAAAAAAAAAAAAAAAAAAAAAAAAAAAAAAAAAFAAAADwAAAAAAAAAAAAAAAAAAAkUAAAAAQAAABQAAAAUAAAAFAAAAAEAAAAAAAAAZAAAAGQAAAAAAAAAZAAAAGQAAAAVAAAAYAAAAAAAAAAAAAAADwAAACADAAAAAAAAAAAAAAEAAACgMgAAVgcAAKr4//8BAAAAf39/AAEAAABkAAAAAAAAABQAAABAHwAAAAAAACYAAAAAAAAAwOD//wAAAAAmAAAAZAAAABYAAABMAAAAAAAAAAAAAAAEAAAAAAAAAAEAAACAgIAKAAAAACgAAAAoAAAAZAAAAGQAAAAAAAAAzMzMAAAAAABQAAAAUAAAAGQAAABkAAAAAAAAABcAAAAUAAAAAAAAAAAAAAD/fwAA/38AAAAAAAAJAAAABAAAAAAAAAAeAAAAaAAAAAAAAAAAAAAAAAAAAAAAAAAAAAAAECcAABAnAAAAAAAAAAAAAAAAAAAAAAAAAAAAAAAAAAAAAAAAAAAAABQAAAAAAAAAwMD/AAAAAABkAAAAMgAAAAAAAABkAAAAAAAAAH9/fwAKAAAAIgAAABgAAAAAAAAAAAAAAAAAAAAAAAAAAAAAAAAAAAAkAAAAJAAAAAAAAAAHAAAAAAAAAAAAAAAAAAAAAAAAAAAAAAAAAAAAf39/ACUAAABYAAAAAAAAAAAAAAAAAAAAAAAAAAAAAAAAAAAAAAAAAAAAAAAAAAAAAAAAAAAAAAA/AAAAAAAAAKCGAQAAAAAAAAAAAAAAAAAMAAAAAQAAAAAAAAAAAAAAAAAAAB8AAABUAAAAAAAABQAAAAEAAAAAAAAAAAAAAAAAAAAAAAAAAAAAAAAAAAAAAAAAAAAAAAJ/f38AAAAAA8zMzADAwP8Af39/AAAAAAAAAAAAAAAAAAAAAAAAAAAAIQAAABgAAAAUAAAAwAMAABsnAAA/FQAAWSkAABAAAAAmAAAACAAAAAAAAAAAAAAA"/>
+                <pr:smNativeData xmlns:pr="smNativeData" xmlns="smNativeData" val="SMDATA_15_D/RJaRMAAAAlAAAAZAAAAA0AAAAAkAAAAEgAAACQAAAASAAAAAAAAAABAAAAAAAAAAEAAABQAAAAAAAAAAAA4D8AAAAAAADgPwAAAAAAAOA/AAAAAAAA4D8AAAAAAADgPwAAAAAAAOA/AAAAAAAA4D8AAAAAAADgPwAAAAAAAOA/AAAAAAAA4D8CAAAAjAAAAAAAAAAAAAAAu+DjDP///wgAAAAAAAAAAAAAAAAAAAAAAAAAAAAAAAAAAAAAZAAAAAEAAABAAAAAAAAAAAAAAAAAAAAAAAAAAAAAAAAAAAAAAAAAAAAAAAAAAAAAAAAAAAAAAAAAAAAAAAAAAAAAAAAAAAAAAAAAAAAAAAAAAAAAAAAAAAAAAAAAAAAAFAAAADwAAAAAAAAAAAAAAAAAAAkUAAAAAQAAABQAAAAUAAAAFAAAAAEAAAAAAAAAZAAAAGQAAAAAAAAAZAAAAGQAAAAVAAAAYAAAAAAAAAAAAAAADwAAACADAAAAAAAAAAAAAAEAAACgMgAAVgcAAKr4//8BAAAAf39/AAEAAABkAAAAAAAAABQAAABAHwAAAAAAACYAAAAAAAAAwOD//wAAAAAmAAAAZAAAABYAAABMAAAAAAAAAAAAAAAEAAAAAAAAAAEAAACAgIAKAAAAACgAAAAoAAAAZAAAAGQAAAAAAAAAzMzMAAAAAABQAAAAUAAAAGQAAABkAAAAAAAAABcAAAAUAAAAAAAAAAAAAAD/fwAA/38AAAAAAAAJAAAABAAAAAAAAAAeAAAAaAAAAAAAAAAAAAAAAAAAAAAAAAAAAAAAECcAABAnAAAAAAAAAAAAAAAAAAAAAAAAAAAAAAAAAAAAAAAAAAAAABQAAAAAAAAAwMD/AAAAAABkAAAAMgAAAAAAAABkAAAAAAAAAH9/fwAKAAAAIgAAABgAAAAAAAAAAAAAAAAAAAAAAAAAAAAAAAAAAAAkAAAAJAAAAAAAAAAHAAAAAAAAAAAAAAAAAAAAAAAAAAAAAAAAAAAAf39/ACUAAABYAAAAAAAAAAAAAAAAAAAAAAAAAAAAAAAAAAAAAAAAAAAAAAAAAAAAAAAAAAAAAAA/AAAAAAAAAKCGAQAAAAAAAAAAAAAAAAAMAAAAAQAAAAAAAAAAAAAAAAAAAB8AAABUAAAAAAAABQAAAAEAAAAAAAAAAAAAAAAAAAAAAAAAAAAAAAAAAAAAAAAAAAAAAAJ/f38AAAAAA8zMzADAwP8Af39/AAAAAAAAAAAAAAAAAAAAAAAAAAAAIQAAABgAAAAUAAAAwAMAABsnAAA/FQAAWSkAABAAAAAmAAAACAAAAAAAAAAAAAAA"/>
               </a:ext>
             </a:extLst>
           </p:cNvSpPr>
@@ -741,7 +741,7 @@
           <a:lstStyle/>
           <a:p>
             <a:pPr/>
-            <a:fld id="{0DCF4452-1CE0-9AB2-AE77-EAE70A3958BF}" type="datetime1">
+            <a:fld id="{0C3DED3E-70E1-681B-AF85-864EA3CB59D3}" type="datetime1">
               <a:t>12/16/2025</a:t>
             </a:fld>
           </a:p>
@@ -754,7 +754,7 @@
             <a:spLocks noGrp="1" noChangeArrowheads="1"/>
             <a:extLst>
               <a:ext uri="smNativeData">
-                <pr:smNativeData xmlns:pr="smNativeData" xmlns="smNativeData" val="SMDATA_15_msZJaRMAAAAlAAAAZAAAAA0AAAAAkAAAAEgAAACQAAAASAAAAAAAAAABAAAAAAAAAAEAAABQAAAAAAAAAAAA4D8AAAAAAADgPwAAAAAAAOA/AAAAAAAA4D8AAAAAAADgPwAAAAAAAOA/AAAAAAAA4D8AAAAAAADgPwAAAAAAAOA/AAAAAAAA4D8CAAAAjAAAAAAAAAAAAAAAu+DjDP///wgAAAAAAAAAAAAAAAAAAAAAAAAAAAAAAAAAAAAAZAAAAAEAAABAAAAAAAAAAAAAAAAAAAAAAAAAAAAAAAAAAAAAAAAAAAAAAAAAAAAAAAAAAAAAAAAAAAAAAAAAAAAAAAAAAAAAAAAAAAAAAAAAAAAAAAAAAAAAAAAAAAAAFAAAADwAAAAAAAAAAAAAAAAAAAkUAAAAAQAAABQAAAAUAAAAFAAAAAEAAAAAAAAAZAAAAGQAAAAAAAAAZAAAAGQAAAAVAAAAYAAAAAAAAAAAAAAADwAAACADAAAAAAAAAAAAAAEAAACgMgAAVgcAAKr4//8BAAAAf39/AAEAAABkAAAAAAAAABQAAABAHwAAAAAAACYAAAAAAAAAwOD//wAAAAAmAAAAZAAAABYAAABMAAAAAAAAAAAAAAAEAAAAAAAAAAEAAACAgIAKAAAAACgAAAAoAAAAZAAAAGQAAAAAAAAAzMzMAAAAAABQAAAAUAAAAGQAAABkAAAAAAAAABcAAAAUAAAAAAAAAAAAAAD/fwAA/38AAAAAAAAJAAAABAAAAAAAAAAeAAAAaAAAAAAAAAAAAAAAAAAAAAAAAAAAAAAAECcAABAnAAAAAAAAAAAAAAAAAAAAAAAAAAAAAAAAAAAAAAAAAAAAABQAAAAAAAAAwMD/AAAAAABkAAAAMgAAAAAAAABkAAAAAAAAAH9/fwAKAAAAIgAAABgAAAAAAAAAAAAAAAAAAAAAAAAAAAAAAAAAAAAkAAAAJAAAAAAAAAAHAAAAAAAAAAAAAAAAAAAAAAAAAAAAAAAAAAAAf39/ACUAAABYAAAAAAAAAAAAAAAAAAAAAAAAAAAAAAAAAAAAAAAAAAAAAAAAAAAAAAAAAAAAAAA/AAAAAAAAAKCGAQAAAAAAAAAAAAAAAAAMAAAAAQAAAAAAAAAAAAAAAAAAAB8AAABUAAAAAAAABQAAAAEAAAAAAAAAAAAAAAAAAAAAAAAAAAAAAAAAAAAAAAAAAAAAAAJ/f38AAAAAA8zMzADAwP8Af39/AAAAAAAAAAAAAAAAAAAAAAAAAAAAIQAAABgAAAAUAAAAoRkAABsnAABfMQAAWSkAABAAAAAmAAAACAAAAAAAAAAAAAAA"/>
+                <pr:smNativeData xmlns:pr="smNativeData" xmlns="smNativeData" val="SMDATA_15_D/RJaRMAAAAlAAAAZAAAAA0AAAAAkAAAAEgAAACQAAAASAAAAAAAAAABAAAAAAAAAAEAAABQAAAAAAAAAAAA4D8AAAAAAADgPwAAAAAAAOA/AAAAAAAA4D8AAAAAAADgPwAAAAAAAOA/AAAAAAAA4D8AAAAAAADgPwAAAAAAAOA/AAAAAAAA4D8CAAAAjAAAAAAAAAAAAAAAu+DjDP///wgAAAAAAAAAAAAAAAAAAAAAAAAAAAAAAAAAAAAAZAAAAAEAAABAAAAAAAAAAAAAAAAAAAAAAAAAAAAAAAAAAAAAAAAAAAAAAAAAAAAAAAAAAAAAAAAAAAAAAAAAAAAAAAAAAAAAAAAAAAAAAAAAAAAAAAAAAAAAAAAAAAAAFAAAADwAAAAAAAAAAAAAAAAAAAkUAAAAAQAAABQAAAAUAAAAFAAAAAEAAAAAAAAAZAAAAGQAAAAAAAAAZAAAAGQAAAAVAAAAYAAAAAAAAAAAAAAADwAAACADAAAAAAAAAAAAAAEAAACgMgAAVgcAAKr4//8BAAAAf39/AAEAAABkAAAAAAAAABQAAABAHwAAAAAAACYAAAAAAAAAwOD//wAAAAAmAAAAZAAAABYAAABMAAAAAAAAAAAAAAAEAAAAAAAAAAEAAACAgIAKAAAAACgAAAAoAAAAZAAAAGQAAAAAAAAAzMzMAAAAAABQAAAAUAAAAGQAAABkAAAAAAAAABcAAAAUAAAAAAAAAAAAAAD/fwAA/38AAAAAAAAJAAAABAAAAAAAAAAeAAAAaAAAAAAAAAAAAAAAAAAAAAAAAAAAAAAAECcAABAnAAAAAAAAAAAAAAAAAAAAAAAAAAAAAAAAAAAAAAAAAAAAABQAAAAAAAAAwMD/AAAAAABkAAAAMgAAAAAAAABkAAAAAAAAAH9/fwAKAAAAIgAAABgAAAAAAAAAAAAAAAAAAAAAAAAAAAAAAAAAAAAkAAAAJAAAAAAAAAAHAAAAAAAAAAAAAAAAAAAAAAAAAAAAAAAAAAAAf39/ACUAAABYAAAAAAAAAAAAAAAAAAAAAAAAAAAAAAAAAAAAAAAAAAAAAAAAAAAAAAAAAAAAAAA/AAAAAAAAAKCGAQAAAAAAAAAAAAAAAAAMAAAAAQAAAAAAAAAAAAAAAAAAAB8AAABUAAAAAAAABQAAAAEAAAAAAAAAAAAAAAAAAAAAAAAAAAAAAAAAAAAAAAAAAAAAAAJ/f38AAAAAA8zMzADAwP8Af39/AAAAAAAAAAAAAAAAAAAAAAAAAAAAIQAAABgAAAAUAAAAoRkAABsnAABfMQAAWSkAABAAAAAmAAAACAAAAAAAAAAAAAAA"/>
               </a:ext>
             </a:extLst>
           </p:cNvSpPr>
@@ -778,7 +778,7 @@
             <a:spLocks noGrp="1" noChangeArrowheads="1"/>
             <a:extLst>
               <a:ext uri="smNativeData">
-                <pr:smNativeData xmlns:pr="smNativeData" xmlns="smNativeData" val="SMDATA_15_msZJaRMAAAAlAAAAZAAAAA0AAAAAkAAAAEgAAACQAAAASAAAAAAAAAABAAAAAAAAAAEAAABQAAAAAAAAAAAA4D8AAAAAAADgPwAAAAAAAOA/AAAAAAAA4D8AAAAAAADgPwAAAAAAAOA/AAAAAAAA4D8AAAAAAADgPwAAAAAAAOA/AAAAAAAA4D8CAAAAjAAAAAAAAAAAAAAAu+DjDP///wgAAAAAAAAAAAAAAAAAAAAAAAAAAAAAAAAAAAAAZAAAAAEAAABAAAAAAAAAAAAAAAAAAAAAAAAAAAAAAAAAAAAAAAAAAAAAAAAAAAAAAAAAAAAAAAAAAAAAAAAAAAAAAAAAAAAAAAAAAAAAAAAAAAAAAAAAAAAAAAAAAAAAFAAAADwAAAAAAAAAAAAAAAAAAAkUAAAAAQAAABQAAAAUAAAAFAAAAAEAAAAAAAAAZAAAAGQAAAAAAAAAZAAAAGQAAAAVAAAAYAAAAAAAAAAAAAAADwAAACADAAAAAAAAAAAAAAEAAACgMgAAVgcAAKr4//8BAAAAf39/AAEAAABkAAAAAAAAABQAAABAHwAAAAAAACYAAAAAAAAAwOD//wAAAAAmAAAAZAAAABYAAABMAAAAAAAAAAAAAAAEAAAAAAAAAAEAAACAgIAKAAAAACgAAAAoAAAAZAAAAGQAAAAAAAAAzMzMAAAAAABQAAAAUAAAAGQAAABkAAAAAAAAABcAAAAUAAAAAAAAAAAAAAD/fwAA/38AAAAAAAAJAAAABAAAAAAAAAAeAAAAaAAAAAAAAAAAAAAAAAAAAAAAAAAAAAAAECcAABAnAAAAAAAAAAAAAAAAAAAAAAAAAAAAAAAAAAAAAAAAAAAAABQAAAAAAAAAwMD/AAAAAABkAAAAMgAAAAAAAABkAAAAAAAAAH9/fwAKAAAAIgAAABgAAAAAAAAAAAAAAAAAAAAAAAAAAAAAAAAAAAAkAAAAJAAAAAAAAAAHAAAAAAAAAAAAAAAAAAAAAAAAAAAAAAAAAAAAf39/ACUAAABYAAAAAAAAAAAAAAAAAAAAAAAAAAAAAAAAAAAAAAAAAAAAAAAAAAAAAAAAAAAAAAA/AAAAAAAAAKCGAQAAAAAAAAAAAAAAAAAMAAAAAQAAAAAAAAAAAAAAAAAAAB8AAABUAAAAAAAABQAAAAEAAAAAAAAAAAAAAAAAAAAAAAAAAAAAAAAAAAAAAAAAAAAAAAJ/f38AAAAAA8zMzADAwP8Af39/AAAAAAAAAAAAAAAAAAAAAAAAAAAAIQAAABgAAAAUAAAAwTUAABsnAABARwAAWSkAABAAAAAmAAAACAAAAAAAAAAAAAAA"/>
+                <pr:smNativeData xmlns:pr="smNativeData" xmlns="smNativeData" val="SMDATA_15_D/RJaRMAAAAlAAAAZAAAAA0AAAAAkAAAAEgAAACQAAAASAAAAAAAAAABAAAAAAAAAAEAAABQAAAAAAAAAAAA4D8AAAAAAADgPwAAAAAAAOA/AAAAAAAA4D8AAAAAAADgPwAAAAAAAOA/AAAAAAAA4D8AAAAAAADgPwAAAAAAAOA/AAAAAAAA4D8CAAAAjAAAAAAAAAAAAAAAu+DjDP///wgAAAAAAAAAAAAAAAAAAAAAAAAAAAAAAAAAAAAAZAAAAAEAAABAAAAAAAAAAAAAAAAAAAAAAAAAAAAAAAAAAAAAAAAAAAAAAAAAAAAAAAAAAAAAAAAAAAAAAAAAAAAAAAAAAAAAAAAAAAAAAAAAAAAAAAAAAAAAAAAAAAAAFAAAADwAAAAAAAAAAAAAAAAAAAkUAAAAAQAAABQAAAAUAAAAFAAAAAEAAAAAAAAAZAAAAGQAAAAAAAAAZAAAAGQAAAAVAAAAYAAAAAAAAAAAAAAADwAAACADAAAAAAAAAAAAAAEAAACgMgAAVgcAAKr4//8BAAAAf39/AAEAAABkAAAAAAAAABQAAABAHwAAAAAAACYAAAAAAAAAwOD//wAAAAAmAAAAZAAAABYAAABMAAAAAAAAAAAAAAAEAAAAAAAAAAEAAACAgIAKAAAAACgAAAAoAAAAZAAAAGQAAAAAAAAAzMzMAAAAAABQAAAAUAAAAGQAAABkAAAAAAAAABcAAAAUAAAAAAAAAAAAAAD/fwAA/38AAAAAAAAJAAAABAAAAAAAAAAeAAAAaAAAAAAAAAAAAAAAAAAAAAAAAAAAAAAAECcAABAnAAAAAAAAAAAAAAAAAAAAAAAAAAAAAAAAAAAAAAAAAAAAABQAAAAAAAAAwMD/AAAAAABkAAAAMgAAAAAAAABkAAAAAAAAAH9/fwAKAAAAIgAAABgAAAAAAAAAAAAAAAAAAAAAAAAAAAAAAAAAAAAkAAAAJAAAAAAAAAAHAAAAAAAAAAAAAAAAAAAAAAAAAAAAAAAAAAAAf39/ACUAAABYAAAAAAAAAAAAAAAAAAAAAAAAAAAAAAAAAAAAAAAAAAAAAAAAAAAAAAAAAAAAAAA/AAAAAAAAAKCGAQAAAAAAAAAAAAAAAAAMAAAAAQAAAAAAAAAAAAAAAAAAAB8AAABUAAAAAAAABQAAAAEAAAAAAAAAAAAAAAAAAAAAAAAAAAAAAAAAAAAAAAAAAAAAAAJ/f38AAAAAA8zMzADAwP8Af39/AAAAAAAAAAAAAAAAAAAAAAAAAAAAIQAAABgAAAAUAAAAwTUAABsnAABARwAAWSkAABAAAAAmAAAACAAAAAAAAAAAAAAA"/>
               </a:ext>
             </a:extLst>
           </p:cNvSpPr>
@@ -792,7 +792,7 @@
           <a:lstStyle/>
           <a:p>
             <a:pPr/>
-            <a:fld id="{0DCF0E15-5BE0-9AF8-AE77-ADAD403958F8}" type="slidenum">
+            <a:fld id="{0C3D93DB-95E1-6865-AF85-6330DDCB5936}" type="slidenum">
               <a:t>‹#›</a:t>
             </a:fld>
           </a:p>
@@ -831,7 +831,7 @@
             <a:spLocks noGrp="1" noChangeArrowheads="1"/>
             <a:extLst>
               <a:ext uri="smNativeData">
-                <pr:smNativeData xmlns:pr="smNativeData" xmlns="smNativeData" val="SMDATA_15_msZJaRMAAAAlAAAAZAAAAA0AAAAAkAAAAEgAAACQAAAASAAAAAAAAAABAAAAAAAAAAEAAABQAAAAAAAAAAAA4D8AAAAAAADgPwAAAAAAAOA/AAAAAAAA4D8AAAAAAADgPwAAAAAAAOA/AAAAAAAA4D8AAAAAAADgPwAAAAAAAOA/AAAAAAAA4D8CAAAAjAAAAAAAAAAAAAAAu+DjDP///wgAAAAAAAAAAAAAAAAAAAAAAAAAAAAAAAAAAAAAZAAAAAEAAABAAAAAAAAAAAAAAAAAAAAAAAAAAAAAAAAAAAAAAAAAAAAAAAAAAAAAAAAAAAAAAAAAAAAAAAAAAAAAAAAAAAAAAAAAAAAAAAAAAAAAAAAAAAAAAAAAAAAAFAAAADwAAAAAAAAAAAAAAAAAAAkUAAAAAQAAABQAAAAUAAAAFAAAAAEAAAAAAAAAZAAAAGQAAAAAAAAAZAAAAGQAAAAVAAAAYAAAAAAAAAAAAAAADwAAACADAAAAAAAAAAAAAAEAAACgMgAAVgcAAKr4//8BAAAAf39/AAEAAABkAAAAAAAAABQAAABAHwAAAAAAACYAAAAAAAAAwOD//wAAAAAmAAAAZAAAABYAAABMAAAAAAAAAAAAAAAEAAAAAAAAAAEAAACAgIAKAAAAACgAAAAoAAAAZAAAAGQAAAAAAAAAzMzMAAAAAABQAAAAUAAAAGQAAABkAAAAAAAAABcAAAAUAAAAAAAAAAAAAAD/fwAA/38AAAAAAAAJAAAABAAAAAQAAAAeAAAAaAAAAAAAAAAAAAAAAAAAAAAAAAAAAAAAECcAABAnAAAAAAAAAAAAAAAAAAAAAAAAAAAAAAAAAAAAAAAAAAAAABQAAAAAAAAAwMD/AAAAAABkAAAAMgAAAAAAAABkAAAAAAAAAH9/fwAKAAAAIgAAABgAAAAAAAAAAAAAAAAAAAAAAAAAAAAAAAAAAAAkAAAAJAAAAAAAAAAHAAAAAAAAAAAAAAAAAAAAAAAAAAAAAAAAAAAAf39/ACUAAABYAAAAAAAAAAAAAAAAAAAAAAAAAAAAAAAAAAAAAAAAAAAAAAAAAAAAAAAAAAAAAAA/AAAAAAAAAKCGAQAAAAAAAAAAAAAAAAAMAAAAAQAAAAAAAAAAAAAAAAAAAB8AAABUAAAAAAAABQAAAAEAAAAAAAAAAAAAAAAAAAAAAAAAAAAAAAAAAAAAAAAAAAAAAAJ/f38AAAAAA8zMzADAwP8Af39/AAAAAAAAAAAAAAAAAAAAAAAAAAAAIQAAABgAAAAUAAAAwAMAALABAABARwAAuAgAABAAAAAmAAAACAAAAAAAAAAAAAAA"/>
+                <pr:smNativeData xmlns:pr="smNativeData" xmlns="smNativeData" val="SMDATA_15_D/RJaRMAAAAlAAAAZAAAAA0AAAAAkAAAAEgAAACQAAAASAAAAAAAAAABAAAAAAAAAAEAAABQAAAAAAAAAAAA4D8AAAAAAADgPwAAAAAAAOA/AAAAAAAA4D8AAAAAAADgPwAAAAAAAOA/AAAAAAAA4D8AAAAAAADgPwAAAAAAAOA/AAAAAAAA4D8CAAAAjAAAAAAAAAAAAAAAu+DjDP///wgAAAAAAAAAAAAAAAAAAAAAAAAAAAAAAAAAAAAAZAAAAAEAAABAAAAAAAAAAAAAAAAAAAAAAAAAAAAAAAAAAAAAAAAAAAAAAAAAAAAAAAAAAAAAAAAAAAAAAAAAAAAAAAAAAAAAAAAAAAAAAAAAAAAAAAAAAAAAAAAAAAAAFAAAADwAAAAAAAAAAAAAAAAAAAkUAAAAAQAAABQAAAAUAAAAFAAAAAEAAAAAAAAAZAAAAGQAAAAAAAAAZAAAAGQAAAAVAAAAYAAAAAAAAAAAAAAADwAAACADAAAAAAAAAAAAAAEAAACgMgAAVgcAAKr4//8BAAAAf39/AAEAAABkAAAAAAAAABQAAABAHwAAAAAAACYAAAAAAAAAwOD//wAAAAAmAAAAZAAAABYAAABMAAAAAAAAAAAAAAAEAAAAAAAAAAEAAACAgIAKAAAAACgAAAAoAAAAZAAAAGQAAAAAAAAAzMzMAAAAAABQAAAAUAAAAGQAAABkAAAAAAAAABcAAAAUAAAAAAAAAAAAAAD/fwAA/38AAAAAAAAJAAAABAAAAAQAAAAeAAAAaAAAAAAAAAAAAAAAAAAAAAAAAAAAAAAAECcAABAnAAAAAAAAAAAAAAAAAAAAAAAAAAAAAAAAAAAAAAAAAAAAABQAAAAAAAAAwMD/AAAAAABkAAAAMgAAAAAAAABkAAAAAAAAAH9/fwAKAAAAIgAAABgAAAAAAAAAAAAAAAAAAAAAAAAAAAAAAAAAAAAkAAAAJAAAAAAAAAAHAAAAAAAAAAAAAAAAAAAAAAAAAAAAAAAAAAAAf39/ACUAAABYAAAAAAAAAAAAAAAAAAAAAAAAAAAAAAAAAAAAAAAAAAAAAAAAAAAAAAAAAAAAAAA/AAAAAAAAAKCGAQAAAAAAAAAAAAAAAAAMAAAAAQAAAAAAAAAAAAAAAAAAAB8AAABUAAAAAAAABQAAAAEAAAAAAAAAAAAAAAAAAAAAAAAAAAAAAAAAAAAAAAAAAAAAAAJ/f38AAAAAA8zMzADAwP8Af39/AAAAAAAAAAAAAAAAAAAAAAAAAAAAIQAAABgAAAAUAAAAwAMAALABAABARwAAuAgAABAAAAAmAAAACAAAAAAAAAAAAAAA"/>
               </a:ext>
             </a:extLst>
           </p:cNvSpPr>
@@ -858,7 +858,7 @@
             <a:spLocks noGrp="1" noChangeArrowheads="1"/>
             <a:extLst>
               <a:ext uri="smNativeData">
-                <pr:smNativeData xmlns:pr="smNativeData" xmlns="smNativeData" val="SMDATA_15_msZJaRMAAAAlAAAAZAAAAA0AAAAAkAAAAEgAAACQAAAASAAAAAAAAAAAAAAAAAAAAAEAAABQAAAAAAAAAAAA4D8AAAAAAADgPwAAAAAAAOA/AAAAAAAA4D8AAAAAAADgPwAAAAAAAOA/AAAAAAAA4D8AAAAAAADgPwAAAAAAAOA/AAAAAAAA4D8CAAAAjAAAAAAAAAAAAAAAu+DjDP///wgAAAAAAAAAAAAAAAAAAAAAAAAAAAAAAAAAAAAAZAAAAAEAAABAAAAAAAAAAAAAAAAAAAAAAAAAAAAAAAAAAAAAAAAAAAAAAAAAAAAAAAAAAAAAAAAAAAAAAAAAAAAAAAAAAAAAAAAAAAAAAAAAAAAAAAAAAAAAAAAAAAAAFAAAADwAAAAAAAAAAAAAAAAAAAkUAAAAAQAAABQAAAAUAAAAFAAAAAEAAAAAAAAAZAAAAGQAAAAAAAAAZAAAAGQAAAAVAAAAYAAAAAAAAAAAAAAADwAAACADAAAAAAAAAAAAAAEAAACgMgAAVgcAAKr4//8BAAAAf39/AAEAAABkAAAAAAAAABQAAABAHwAAAAAAACYAAAAAAAAAwOD//wAAAAAmAAAAZAAAABYAAABMAAAAAAAAAAAAAAAEAAAAAAAAAAEAAACAgIAKAAAAACgAAAAoAAAAZAAAAGQAAAAAAAAAzMzMAAAAAABQAAAAUAAAAGQAAABkAAAAAAAAABcAAAAUAAAAAAAAAAAAAAD/fwAA/38AAAAAAAAJAAAABAAAAMDcrwIeAAAAaAAAAAAAAAAAAAAAAAAAAAAAAAAAAAAAECcAABAnAAAAAAAAAAAAAAAAAAAAAAAAAAAAAAAAAAAAAAAAAAAAABQAAAAAAAAAwMD/AAAAAABkAAAAMgAAAAAAAABkAAAAAAAAAH9/fwAKAAAAIgAAABgAAAAAAAAAAAAAAAAAAAAAAAAAAAAAAAAAAAAkAAAAJAAAAAAAAAAHAAAAAAAAAAAAAAAAAAAAAAAAAAAAAAAAAAAAf39/ACUAAABYAAAAAAAAAAAAAAAAAAAAAAAAAAAAAAAAAAAAAAAAAAAAAAAAAAAAAAAAAAAAAAA/AAAAAAAAAKCGAQAAAAAAAAAAAAAAAAAMAAAAAQAAAAAAAAAAAAAAAAAAAB8AAABUAAAAAAAABQAAAAEAAAAAAAAAAAAAAAAAAAAAAAAAAAAAAAAAAAAAAAAAAAAAAAJ/f38AAAAAA8zMzADAwP8Af39/AAAAAAAAAAAAAAAAAAAAAAAAAAAAIQAAABgAAAAUAAAAwAMAANgJAABARwAAsCUAABAAAAAmAAAACAAAAAAAAAAAAAAA"/>
+                <pr:smNativeData xmlns:pr="smNativeData" xmlns="smNativeData" val="SMDATA_15_D/RJaRMAAAAlAAAAZAAAAA0AAAAAkAAAAEgAAACQAAAASAAAAAAAAAAAAAAAAAAAAAEAAABQAAAAAAAAAAAA4D8AAAAAAADgPwAAAAAAAOA/AAAAAAAA4D8AAAAAAADgPwAAAAAAAOA/AAAAAAAA4D8AAAAAAADgPwAAAAAAAOA/AAAAAAAA4D8CAAAAjAAAAAAAAAAAAAAAu+DjDP///wgAAAAAAAAAAAAAAAAAAAAAAAAAAAAAAAAAAAAAZAAAAAEAAABAAAAAAAAAAAAAAAAAAAAAAAAAAAAAAAAAAAAAAAAAAAAAAAAAAAAAAAAAAAAAAAAAAAAAAAAAAAAAAAAAAAAAAAAAAAAAAAAAAAAAAAAAAAAAAAAAAAAAFAAAADwAAAAAAAAAAAAAAAAAAAkUAAAAAQAAABQAAAAUAAAAFAAAAAEAAAAAAAAAZAAAAGQAAAAAAAAAZAAAAGQAAAAVAAAAYAAAAAAAAAAAAAAADwAAACADAAAAAAAAAAAAAAEAAACgMgAAVgcAAKr4//8BAAAAf39/AAEAAABkAAAAAAAAABQAAABAHwAAAAAAACYAAAAAAAAAwOD//wAAAAAmAAAAZAAAABYAAABMAAAAAAAAAAAAAAAEAAAAAAAAAAEAAACAgIAKAAAAACgAAAAoAAAAZAAAAGQAAAAAAAAAzMzMAAAAAABQAAAAUAAAAGQAAABkAAAAAAAAABcAAAAUAAAAAAAAAAAAAAD/fwAA/38AAAAAAAAJAAAABAAAAMDcrwIeAAAAaAAAAAAAAAAAAAAAAAAAAAAAAAAAAAAAECcAABAnAAAAAAAAAAAAAAAAAAAAAAAAAAAAAAAAAAAAAAAAAAAAABQAAAAAAAAAwMD/AAAAAABkAAAAMgAAAAAAAABkAAAAAAAAAH9/fwAKAAAAIgAAABgAAAAAAAAAAAAAAAAAAAAAAAAAAAAAAAAAAAAkAAAAJAAAAAAAAAAHAAAAAAAAAAAAAAAAAAAAAAAAAAAAAAAAAAAAf39/ACUAAABYAAAAAAAAAAAAAAAAAAAAAAAAAAAAAAAAAAAAAAAAAAAAAAAAAAAAAAAAAAAAAAA/AAAAAAAAAKCGAQAAAAAAAAAAAAAAAAAMAAAAAQAAAAAAAAAAAAAAAAAAAB8AAABUAAAAAAAABQAAAAEAAAAAAAAAAAAAAAAAAAAAAAAAAAAAAAAAAAAAAAAAAAAAAAJ/f38AAAAAA8zMzADAwP8Af39/AAAAAAAAAAAAAAAAAAAAAAAAAAAAIQAAABgAAAAUAAAAwAMAANgJAABARwAAsCUAABAAAAAmAAAACAAAAAAAAAAAAAAA"/>
               </a:ext>
             </a:extLst>
           </p:cNvSpPr>
@@ -909,7 +909,7 @@
             <a:spLocks noGrp="1" noChangeArrowheads="1"/>
             <a:extLst>
               <a:ext uri="smNativeData">
-                <pr:smNativeData xmlns:pr="smNativeData" xmlns="smNativeData" val="SMDATA_15_msZJaRMAAAAlAAAAZAAAAA0AAAAAkAAAAEgAAACQAAAASAAAAAAAAAABAAAAAAAAAAEAAABQAAAAAAAAAAAA4D8AAAAAAADgPwAAAAAAAOA/AAAAAAAA4D8AAAAAAADgPwAAAAAAAOA/AAAAAAAA4D8AAAAAAADgPwAAAAAAAOA/AAAAAAAA4D8CAAAAjAAAAAAAAAAAAAAAu+DjDP///wgAAAAAAAAAAAAAAAAAAAAAAAAAAAAAAAAAAAAAZAAAAAEAAABAAAAAAAAAAAAAAAAAAAAAAAAAAAAAAAAAAAAAAAAAAAAAAAAAAAAAAAAAAAAAAAAAAAAAAAAAAAAAAAAAAAAAAAAAAAAAAAAAAAAAAAAAAAAAAAAAAAAAFAAAADwAAAAAAAAAAAAAAAAAAAkUAAAAAQAAABQAAAAUAAAAFAAAAAEAAAAAAAAAZAAAAGQAAAAAAAAAZAAAAGQAAAAVAAAAYAAAAAAAAAAAAAAADwAAACADAAAAAAAAAAAAAAEAAACgMgAAVgcAAKr4//8BAAAAf39/AAEAAABkAAAAAAAAABQAAABAHwAAAAAAACYAAAAAAAAAwOD//wAAAAAmAAAAZAAAABYAAABMAAAAAAAAAAAAAAAEAAAAAAAAAAEAAACAgIAKAAAAACgAAAAoAAAAZAAAAGQAAAAAAAAAzMzMAAAAAABQAAAAUAAAAGQAAABkAAAAAAAAABcAAAAUAAAAAAAAAAAAAAD/fwAA/38AAAAAAAAJAAAABAAAAAAAAAAeAAAAaAAAAAAAAAAAAAAAAAAAAAAAAAAAAAAAECcAABAnAAAAAAAAAAAAAAAAAAAAAAAAAAAAAAAAAAAAAAAAAAAAABQAAAAAAAAAwMD/AAAAAABkAAAAMgAAAAAAAABkAAAAAAAAAH9/fwAKAAAAIgAAABgAAAAAAAAAAAAAAAAAAAAAAAAAAAAAAAAAAAAkAAAAJAAAAAAAAAAHAAAAAAAAAAAAAAAAAAAAAAAAAAAAAAAAAAAAf39/ACUAAABYAAAAAAAAAAAAAAAAAAAAAAAAAAAAAAAAAAAAAAAAAAAAAAAAAAAAAAAAAAAAAAA/AAAAAAAAAKCGAQAAAAAAAAAAAAAAAAAMAAAAAQAAAAAAAAAAAAAAAAAAAB8AAABUAAAAAAAABQAAAAEAAAAAAAAAAAAAAAAAAAAAAAAAAAAAAAAAAAAAAAAAAAAAAAJ/f38AAAAAA8zMzADAwP8Af39/AAAAAAAAAAAAAAAAAAAAAAAAAAAAIQAAABgAAAAUAAAAwAMAABsnAAA/FQAAWSkAABAAAAAmAAAACAAAAAAAAAAAAAAA"/>
+                <pr:smNativeData xmlns:pr="smNativeData" xmlns="smNativeData" val="SMDATA_15_D/RJaRMAAAAlAAAAZAAAAA0AAAAAkAAAAEgAAACQAAAASAAAAAAAAAABAAAAAAAAAAEAAABQAAAAAAAAAAAA4D8AAAAAAADgPwAAAAAAAOA/AAAAAAAA4D8AAAAAAADgPwAAAAAAAOA/AAAAAAAA4D8AAAAAAADgPwAAAAAAAOA/AAAAAAAA4D8CAAAAjAAAAAAAAAAAAAAAu+DjDP///wgAAAAAAAAAAAAAAAAAAAAAAAAAAAAAAAAAAAAAZAAAAAEAAABAAAAAAAAAAAAAAAAAAAAAAAAAAAAAAAAAAAAAAAAAAAAAAAAAAAAAAAAAAAAAAAAAAAAAAAAAAAAAAAAAAAAAAAAAAAAAAAAAAAAAAAAAAAAAAAAAAAAAFAAAADwAAAAAAAAAAAAAAAAAAAkUAAAAAQAAABQAAAAUAAAAFAAAAAEAAAAAAAAAZAAAAGQAAAAAAAAAZAAAAGQAAAAVAAAAYAAAAAAAAAAAAAAADwAAACADAAAAAAAAAAAAAAEAAACgMgAAVgcAAKr4//8BAAAAf39/AAEAAABkAAAAAAAAABQAAABAHwAAAAAAACYAAAAAAAAAwOD//wAAAAAmAAAAZAAAABYAAABMAAAAAAAAAAAAAAAEAAAAAAAAAAEAAACAgIAKAAAAACgAAAAoAAAAZAAAAGQAAAAAAAAAzMzMAAAAAABQAAAAUAAAAGQAAABkAAAAAAAAABcAAAAUAAAAAAAAAAAAAAD/fwAA/38AAAAAAAAJAAAABAAAAAAAAAAeAAAAaAAAAAAAAAAAAAAAAAAAAAAAAAAAAAAAECcAABAnAAAAAAAAAAAAAAAAAAAAAAAAAAAAAAAAAAAAAAAAAAAAABQAAAAAAAAAwMD/AAAAAABkAAAAMgAAAAAAAABkAAAAAAAAAH9/fwAKAAAAIgAAABgAAAAAAAAAAAAAAAAAAAAAAAAAAAAAAAAAAAAkAAAAJAAAAAAAAAAHAAAAAAAAAAAAAAAAAAAAAAAAAAAAAAAAAAAAf39/ACUAAABYAAAAAAAAAAAAAAAAAAAAAAAAAAAAAAAAAAAAAAAAAAAAAAAAAAAAAAAAAAAAAAA/AAAAAAAAAKCGAQAAAAAAAAAAAAAAAAAMAAAAAQAAAAAAAAAAAAAAAAAAAB8AAABUAAAAAAAABQAAAAEAAAAAAAAAAAAAAAAAAAAAAAAAAAAAAAAAAAAAAAAAAAAAAAJ/f38AAAAAA8zMzADAwP8Af39/AAAAAAAAAAAAAAAAAAAAAAAAAAAAIQAAABgAAAAUAAAAwAMAABsnAAA/FQAAWSkAABAAAAAmAAAACAAAAAAAAAAAAAAA"/>
               </a:ext>
             </a:extLst>
           </p:cNvSpPr>
@@ -923,7 +923,7 @@
           <a:lstStyle/>
           <a:p>
             <a:pPr/>
-            <a:fld id="{0DCF1DB5-FBE0-9AEB-AE77-0DBE53395858}" type="datetime1">
+            <a:fld id="{0C3DC109-47E1-6837-AF85-B1628FCB59E4}" type="datetime1">
               <a:t/>
             </a:fld>
           </a:p>
@@ -936,7 +936,7 @@
             <a:spLocks noGrp="1" noChangeArrowheads="1"/>
             <a:extLst>
               <a:ext uri="smNativeData">
-                <pr:smNativeData xmlns:pr="smNativeData" xmlns="smNativeData" val="SMDATA_15_msZJaRMAAAAlAAAAZAAAAA0AAAAAkAAAAEgAAACQAAAASAAAAAAAAAABAAAAAAAAAAEAAABQAAAAAAAAAAAA4D8AAAAAAADgPwAAAAAAAOA/AAAAAAAA4D8AAAAAAADgPwAAAAAAAOA/AAAAAAAA4D8AAAAAAADgPwAAAAAAAOA/AAAAAAAA4D8CAAAAjAAAAAAAAAAAAAAAu+DjDP///wgAAAAAAAAAAAAAAAAAAAAAAAAAAAAAAAAAAAAAZAAAAAEAAABAAAAAAAAAAAAAAAAAAAAAAAAAAAAAAAAAAAAAAAAAAAAAAAAAAAAAAAAAAAAAAAAAAAAAAAAAAAAAAAAAAAAAAAAAAAAAAAAAAAAAAAAAAAAAAAAAAAAAFAAAADwAAAAAAAAAAAAAAAAAAAkUAAAAAQAAABQAAAAUAAAAFAAAAAEAAAAAAAAAZAAAAGQAAAAAAAAAZAAAAGQAAAAVAAAAYAAAAAAAAAAAAAAADwAAACADAAAAAAAAAAAAAAEAAACgMgAAVgcAAKr4//8BAAAAf39/AAEAAABkAAAAAAAAABQAAABAHwAAAAAAACYAAAAAAAAAwOD//wAAAAAmAAAAZAAAABYAAABMAAAAAAAAAAAAAAAEAAAAAAAAAAEAAACAgIAKAAAAACgAAAAoAAAAZAAAAGQAAAAAAAAAzMzMAAAAAABQAAAAUAAAAGQAAABkAAAAAAAAABcAAAAUAAAAAAAAAAAAAAD/fwAA/38AAAAAAAAJAAAABAAAAAAAAAAeAAAAaAAAAAAAAAAAAAAAAAAAAAAAAAAAAAAAECcAABAnAAAAAAAAAAAAAAAAAAAAAAAAAAAAAAAAAAAAAAAAAAAAABQAAAAAAAAAwMD/AAAAAABkAAAAMgAAAAAAAABkAAAAAAAAAH9/fwAKAAAAIgAAABgAAAAAAAAAAAAAAAAAAAAAAAAAAAAAAAAAAAAkAAAAJAAAAAAAAAAHAAAAAAAAAAAAAAAAAAAAAAAAAAAAAAAAAAAAf39/ACUAAABYAAAAAAAAAAAAAAAAAAAAAAAAAAAAAAAAAAAAAAAAAAAAAAAAAAAAAAAAAAAAAAA/AAAAAAAAAKCGAQAAAAAAAAAAAAAAAAAMAAAAAQAAAAAAAAAAAAAAAAAAAB8AAABUAAAAAAAABQAAAAEAAAAAAAAAAAAAAAAAAAAAAAAAAAAAAAAAAAAAAAAAAAAAAAJ/f38AAAAAA8zMzADAwP8Af39/AAAAAAAAAAAAAAAAAAAAAAAAAAAAIQAAABgAAAAUAAAAoRkAABsnAABfMQAAWSkAABAAAAAmAAAACAAAAAAAAAAAAAAA"/>
+                <pr:smNativeData xmlns:pr="smNativeData" xmlns="smNativeData" val="SMDATA_15_D/RJaRMAAAAlAAAAZAAAAA0AAAAAkAAAAEgAAACQAAAASAAAAAAAAAABAAAAAAAAAAEAAABQAAAAAAAAAAAA4D8AAAAAAADgPwAAAAAAAOA/AAAAAAAA4D8AAAAAAADgPwAAAAAAAOA/AAAAAAAA4D8AAAAAAADgPwAAAAAAAOA/AAAAAAAA4D8CAAAAjAAAAAAAAAAAAAAAu+DjDP///wgAAAAAAAAAAAAAAAAAAAAAAAAAAAAAAAAAAAAAZAAAAAEAAABAAAAAAAAAAAAAAAAAAAAAAAAAAAAAAAAAAAAAAAAAAAAAAAAAAAAAAAAAAAAAAAAAAAAAAAAAAAAAAAAAAAAAAAAAAAAAAAAAAAAAAAAAAAAAAAAAAAAAFAAAADwAAAAAAAAAAAAAAAAAAAkUAAAAAQAAABQAAAAUAAAAFAAAAAEAAAAAAAAAZAAAAGQAAAAAAAAAZAAAAGQAAAAVAAAAYAAAAAAAAAAAAAAADwAAACADAAAAAAAAAAAAAAEAAACgMgAAVgcAAKr4//8BAAAAf39/AAEAAABkAAAAAAAAABQAAABAHwAAAAAAACYAAAAAAAAAwOD//wAAAAAmAAAAZAAAABYAAABMAAAAAAAAAAAAAAAEAAAAAAAAAAEAAACAgIAKAAAAACgAAAAoAAAAZAAAAGQAAAAAAAAAzMzMAAAAAABQAAAAUAAAAGQAAABkAAAAAAAAABcAAAAUAAAAAAAAAAAAAAD/fwAA/38AAAAAAAAJAAAABAAAAAAAAAAeAAAAaAAAAAAAAAAAAAAAAAAAAAAAAAAAAAAAECcAABAnAAAAAAAAAAAAAAAAAAAAAAAAAAAAAAAAAAAAAAAAAAAAABQAAAAAAAAAwMD/AAAAAABkAAAAMgAAAAAAAABkAAAAAAAAAH9/fwAKAAAAIgAAABgAAAAAAAAAAAAAAAAAAAAAAAAAAAAAAAAAAAAkAAAAJAAAAAAAAAAHAAAAAAAAAAAAAAAAAAAAAAAAAAAAAAAAAAAAf39/ACUAAABYAAAAAAAAAAAAAAAAAAAAAAAAAAAAAAAAAAAAAAAAAAAAAAAAAAAAAAAAAAAAAAA/AAAAAAAAAKCGAQAAAAAAAAAAAAAAAAAMAAAAAQAAAAAAAAAAAAAAAAAAAB8AAABUAAAAAAAABQAAAAEAAAAAAAAAAAAAAAAAAAAAAAAAAAAAAAAAAAAAAAAAAAAAAAJ/f38AAAAAA8zMzADAwP8Af39/AAAAAAAAAAAAAAAAAAAAAAAAAAAAIQAAABgAAAAUAAAAoRkAABsnAABfMQAAWSkAABAAAAAmAAAACAAAAAAAAAAAAAAA"/>
               </a:ext>
             </a:extLst>
           </p:cNvSpPr>
@@ -960,7 +960,7 @@
             <a:spLocks noGrp="1" noChangeArrowheads="1"/>
             <a:extLst>
               <a:ext uri="smNativeData">
-                <pr:smNativeData xmlns:pr="smNativeData" xmlns="smNativeData" val="SMDATA_15_msZJaRMAAAAlAAAAZAAAAA0AAAAAkAAAAEgAAACQAAAASAAAAAAAAAABAAAAAAAAAAEAAABQAAAAAAAAAAAA4D8AAAAAAADgPwAAAAAAAOA/AAAAAAAA4D8AAAAAAADgPwAAAAAAAOA/AAAAAAAA4D8AAAAAAADgPwAAAAAAAOA/AAAAAAAA4D8CAAAAjAAAAAAAAAAAAAAAu+DjDP///wgAAAAAAAAAAAAAAAAAAAAAAAAAAAAAAAAAAAAAZAAAAAEAAABAAAAAAAAAAAAAAAAAAAAAAAAAAAAAAAAAAAAAAAAAAAAAAAAAAAAAAAAAAAAAAAAAAAAAAAAAAAAAAAAAAAAAAAAAAAAAAAAAAAAAAAAAAAAAAAAAAAAAFAAAADwAAAAAAAAAAAAAAAAAAAkUAAAAAQAAABQAAAAUAAAAFAAAAAEAAAAAAAAAZAAAAGQAAAAAAAAAZAAAAGQAAAAVAAAAYAAAAAAAAAAAAAAADwAAACADAAAAAAAAAAAAAAEAAACgMgAAVgcAAKr4//8BAAAAf39/AAEAAABkAAAAAAAAABQAAABAHwAAAAAAACYAAAAAAAAAwOD//wAAAAAmAAAAZAAAABYAAABMAAAAAAAAAAAAAAAEAAAAAAAAAAEAAACAgIAKAAAAACgAAAAoAAAAZAAAAGQAAAAAAAAAzMzMAAAAAABQAAAAUAAAAGQAAABkAAAAAAAAABcAAAAUAAAAAAAAAAAAAAD/fwAA/38AAAAAAAAJAAAABAAAAAAAAAAeAAAAaAAAAAAAAAAAAAAAAAAAAAAAAAAAAAAAECcAABAnAAAAAAAAAAAAAAAAAAAAAAAAAAAAAAAAAAAAAAAAAAAAABQAAAAAAAAAwMD/AAAAAABkAAAAMgAAAAAAAABkAAAAAAAAAH9/fwAKAAAAIgAAABgAAAAAAAAAAAAAAAAAAAAAAAAAAAAAAAAAAAAkAAAAJAAAAAAAAAAHAAAAAAAAAAAAAAAAAAAAAAAAAAAAAAAAAAAAf39/ACUAAABYAAAAAAAAAAAAAAAAAAAAAAAAAAAAAAAAAAAAAAAAAAAAAAAAAAAAAAAAAAAAAAA/AAAAAAAAAKCGAQAAAAAAAAAAAAAAAAAMAAAAAQAAAAAAAAAAAAAAAAAAAB8AAABUAAAAAAAABQAAAAEAAAAAAAAAAAAAAAAAAAAAAAAAAAAAAAAAAAAAAAAAAAAAAAJ/f38AAAAAA8zMzADAwP8Af39/AAAAAAAAAAAAAAAAAAAAAAAAAAAAIQAAABgAAAAUAAAAwTUAABsnAABARwAAWSkAABAAAAAmAAAACAAAAAAAAAAAAAAA"/>
+                <pr:smNativeData xmlns:pr="smNativeData" xmlns="smNativeData" val="SMDATA_15_D/RJaRMAAAAlAAAAZAAAAA0AAAAAkAAAAEgAAACQAAAASAAAAAAAAAABAAAAAAAAAAEAAABQAAAAAAAAAAAA4D8AAAAAAADgPwAAAAAAAOA/AAAAAAAA4D8AAAAAAADgPwAAAAAAAOA/AAAAAAAA4D8AAAAAAADgPwAAAAAAAOA/AAAAAAAA4D8CAAAAjAAAAAAAAAAAAAAAu+DjDP///wgAAAAAAAAAAAAAAAAAAAAAAAAAAAAAAAAAAAAAZAAAAAEAAABAAAAAAAAAAAAAAAAAAAAAAAAAAAAAAAAAAAAAAAAAAAAAAAAAAAAAAAAAAAAAAAAAAAAAAAAAAAAAAAAAAAAAAAAAAAAAAAAAAAAAAAAAAAAAAAAAAAAAFAAAADwAAAAAAAAAAAAAAAAAAAkUAAAAAQAAABQAAAAUAAAAFAAAAAEAAAAAAAAAZAAAAGQAAAAAAAAAZAAAAGQAAAAVAAAAYAAAAAAAAAAAAAAADwAAACADAAAAAAAAAAAAAAEAAACgMgAAVgcAAKr4//8BAAAAf39/AAEAAABkAAAAAAAAABQAAABAHwAAAAAAACYAAAAAAAAAwOD//wAAAAAmAAAAZAAAABYAAABMAAAAAAAAAAAAAAAEAAAAAAAAAAEAAACAgIAKAAAAACgAAAAoAAAAZAAAAGQAAAAAAAAAzMzMAAAAAABQAAAAUAAAAGQAAABkAAAAAAAAABcAAAAUAAAAAAAAAAAAAAD/fwAA/38AAAAAAAAJAAAABAAAAAAAAAAeAAAAaAAAAAAAAAAAAAAAAAAAAAAAAAAAAAAAECcAABAnAAAAAAAAAAAAAAAAAAAAAAAAAAAAAAAAAAAAAAAAAAAAABQAAAAAAAAAwMD/AAAAAABkAAAAMgAAAAAAAABkAAAAAAAAAH9/fwAKAAAAIgAAABgAAAAAAAAAAAAAAAAAAAAAAAAAAAAAAAAAAAAkAAAAJAAAAAAAAAAHAAAAAAAAAAAAAAAAAAAAAAAAAAAAAAAAAAAAf39/ACUAAABYAAAAAAAAAAAAAAAAAAAAAAAAAAAAAAAAAAAAAAAAAAAAAAAAAAAAAAAAAAAAAAA/AAAAAAAAAKCGAQAAAAAAAAAAAAAAAAAMAAAAAQAAAAAAAAAAAAAAAAAAAB8AAABUAAAAAAAABQAAAAEAAAAAAAAAAAAAAAAAAAAAAAAAAAAAAAAAAAAAAAAAAAAAAAJ/f38AAAAAA8zMzADAwP8Af39/AAAAAAAAAAAAAAAAAAAAAAAAAAAAIQAAABgAAAAUAAAAwTUAABsnAABARwAAWSkAABAAAAAmAAAACAAAAAAAAAAAAAAA"/>
               </a:ext>
             </a:extLst>
           </p:cNvSpPr>
@@ -974,7 +974,7 @@
           <a:lstStyle/>
           <a:p>
             <a:pPr/>
-            <a:fld id="{0DCF7BBF-F1E0-9A8D-AE77-07D835395852}" type="slidenum">
+            <a:fld id="{0C3D885F-11E1-687E-AF85-E72BC6CB59B2}" type="slidenum">
               <a:t/>
             </a:fld>
           </a:p>
@@ -1013,7 +1013,7 @@
             <a:spLocks noGrp="1" noChangeArrowheads="1"/>
             <a:extLst>
               <a:ext uri="smNativeData">
-                <pr:smNativeData xmlns:pr="smNativeData" xmlns="smNativeData" val="SMDATA_15_msZJaRMAAAAlAAAAZAAAAA0AAAAAkAAAAEgAAACQAAAASAAAAAAAAAAAAAAAAAAAAAEAAABQAAAAAAAAAAAA4D8AAAAAAADgPwAAAAAAAOA/AAAAAAAA4D8AAAAAAADgPwAAAAAAAOA/AAAAAAAA4D8AAAAAAADgPwAAAAAAAOA/AAAAAAAA4D8CAAAAjAAAAAAAAAAAAAAAu+DjDP///wgAAAAAAAAAAAAAAAAAAAAAAAAAAAAAAAAAAAAAZAAAAAEAAABAAAAAAAAAAAAAAAAAAAAAAAAAAAAAAAAAAAAAAAAAAAAAAAAAAAAAAAAAAAAAAAAAAAAAAAAAAAAAAAAAAAAAAAAAAAAAAAAAAAAAAAAAAAAAAAAAAAAAFAAAADwAAAAAAAAAAAAAAAAAAAkUAAAAAQAAABQAAAAUAAAAFAAAAAEAAAAAAAAAZAAAAGQAAAAAAAAAZAAAAGQAAAAVAAAAYAAAAAAAAAAAAAAADwAAACADAAAAAAAAAAAAAAEAAACgMgAAVgcAAKr4//8BAAAAf39/AAEAAABkAAAAAAAAABQAAABAHwAAAAAAACYAAAAAAAAAwOD//wAAAAAmAAAAZAAAABYAAABMAAAAAAAAAAAAAAAEAAAAAAAAAAEAAACAgIAKAAAAACgAAAAoAAAAZAAAAGQAAAAAAAAAzMzMAAAAAABQAAAAUAAAAGQAAABkAAAAAAAAABcAAAAUAAAAAAAAAAAAAAD/fwAA/38AAAAAAAAJAAAABAAAAAAAAAAeAAAAaAAAAAAAAAAAAAAAAAAAAAAAAAAAAAAAECcAABAnAAAAAAAAAAAAAAAAAAAAAAAAAAAAAAAAAAAAAAAAAAAAABQAAAAAAAAAwMD/AAAAAABkAAAAMgAAAAAAAABkAAAAAAAAAH9/fwAKAAAAIgAAABgAAAAAAAAAAAAAAAAAAAAAAAAAAAAAAAAAAAAkAAAAJAAAAAAAAAAHAAAAAAAAAAAAAAAAAAAAAAAAAAAAAAAAAAAAf39/ACUAAABYAAAAAAAAAAAAAAAAAAAAAAAAAAAAAAAAAAAAAAAAAAAAAAAAAAAAAAAAAAAAAAA/AAAAAAAAAKCGAQAAAAAAAAAAAAAAAAAMAAAAAQAAAAAAAAAAAAAAAAAAAB8AAABUAAAAAAAABQAAAAEAAAAAAAAAAAAAAAAAAAAAAAAAAAAAAAAAAAAAAAAAAAAAAAJ/f38AAAAAA8zMzADAwP8Af39/AAAAAAAAAAAAAAAAAAAAAAAAAAAAIQAAABgAAAAUAAAA7QUAABwbAACtRQAAfSMAABAAAAAmAAAACAAAAIGQAAAAAAAA"/>
+                <pr:smNativeData xmlns:pr="smNativeData" xmlns="smNativeData" val="SMDATA_15_D/RJaRMAAAAlAAAAZAAAAA0AAAAAkAAAAEgAAACQAAAASAAAAAAAAAAAAAAAAAAAAAEAAABQAAAAAAAAAAAA4D8AAAAAAADgPwAAAAAAAOA/AAAAAAAA4D8AAAAAAADgPwAAAAAAAOA/AAAAAAAA4D8AAAAAAADgPwAAAAAAAOA/AAAAAAAA4D8CAAAAjAAAAAAAAAAAAAAAu+DjDP///wgAAAAAAAAAAAAAAAAAAAAAAAAAAAAAAAAAAAAAZAAAAAEAAABAAAAAAAAAAAAAAAAAAAAAAAAAAAAAAAAAAAAAAAAAAAAAAAAAAAAAAAAAAAAAAAAAAAAAAAAAAAAAAAAAAAAAAAAAAAAAAAAAAAAAAAAAAAAAAAAAAAAAFAAAADwAAAAAAAAAAAAAAAAAAAkUAAAAAQAAABQAAAAUAAAAFAAAAAEAAAAAAAAAZAAAAGQAAAAAAAAAZAAAAGQAAAAVAAAAYAAAAAAAAAAAAAAADwAAACADAAAAAAAAAAAAAAEAAACgMgAAVgcAAKr4//8BAAAAf39/AAEAAABkAAAAAAAAABQAAABAHwAAAAAAACYAAAAAAAAAwOD//wAAAAAmAAAAZAAAABYAAABMAAAAAAAAAAAAAAAEAAAAAAAAAAEAAACAgIAKAAAAACgAAAAoAAAAZAAAAGQAAAAAAAAAzMzMAAAAAABQAAAAUAAAAGQAAABkAAAAAAAAABcAAAAUAAAAAAAAAAAAAAD/fwAA/38AAAAAAAAJAAAABAAAAAAAAAAeAAAAaAAAAAAAAAAAAAAAAAAAAAAAAAAAAAAAECcAABAnAAAAAAAAAAAAAAAAAAAAAAAAAAAAAAAAAAAAAAAAAAAAABQAAAAAAAAAwMD/AAAAAABkAAAAMgAAAAAAAABkAAAAAAAAAH9/fwAKAAAAIgAAABgAAAAAAAAAAAAAAAAAAAAAAAAAAAAAAAAAAAAkAAAAJAAAAAAAAAAHAAAAAAAAAAAAAAAAAAAAAAAAAAAAAAAAAAAAf39/ACUAAABYAAAAAAAAAAAAAAAAAAAAAAAAAAAAAAAAAAAAAAAAAAAAAAAAAAAAAAAAAAAAAAA/AAAAAAAAAKCGAQAAAAAAAAAAAAAAAAAMAAAAAQAAAAAAAAAAAAAAAAAAAB8AAABUAAAAAAAABQAAAAEAAAAAAAAAAAAAAAAAAAAAAAAAAAAAAAAAAAAAAAAAAAAAAAJ/f38AAAAAA8zMzADAwP8Af39/AAAAAAAAAAAAAAAAAAAAAAAAAAAAIQAAABgAAAAUAAAA7QUAABwbAACtRQAAfSMAABAAAAAmAAAACAAAAIGQAAAAAAAA"/>
               </a:ext>
             </a:extLst>
           </p:cNvSpPr>
@@ -1053,7 +1053,7 @@
             <a:spLocks noGrp="1" noChangeArrowheads="1"/>
             <a:extLst>
               <a:ext uri="smNativeData">
-                <pr:smNativeData xmlns:pr="smNativeData" xmlns="smNativeData" val="SMDATA_15_msZJaRMAAAAlAAAAZAAAAA0AAAAAkAAAAEgAAACQAAAASAAAAAAAAAACAAAAAAAAAAEAAABQAAAAAAAAAAAA4D8AAAAAAADgPwAAAAAAAOA/AAAAAAAA4D8AAAAAAADgPwAAAAAAAOA/AAAAAAAA4D8AAAAAAADgPwAAAAAAAOA/AAAAAAAA4D8CAAAAjAAAAAAAAAAAAAAAu+DjDP///wgAAAAAAAAAAAAAAAAAAAAAAAAAAAAAAAAAAAAAZAAAAAEAAABAAAAAAAAAAAAAAAAAAAAAAAAAAAAAAAAAAAAAAAAAAAAAAAAAAAAAAAAAAAAAAAAAAAAAAAAAAAAAAAAAAAAAAAAAAAAAAAAAAAAAAAAAAAAAAAAAAAAAFAAAADwAAAAAAAAAAAAAAAAAAAkUAAAAAQAAABQAAAAUAAAAFAAAAAEAAAAAAAAAZAAAAGQAAAAAAAAAZAAAAGQAAAAVAAAAYAAAAAAAAAAAAAAADwAAACADAAAAAAAAAAAAAAEAAACgMgAAVgcAAKr4//8BAAAAf39/AAEAAABkAAAAAAAAABQAAABAHwAAAAAAACYAAAAAAAAAwOD//wAAAAAmAAAAZAAAABYAAABMAAAAAAAAAAAAAAAEAAAAAAAAAAEAAACAgIAKAAAAACgAAAAoAAAAZAAAAGQAAAAAAAAAzMzMAAAAAABQAAAAUAAAAGQAAABkAAAAAAAAABcAAAAUAAAAAAAAAAAAAAD/fwAA/38AAAAAAAAJAAAABAAAAJaoyw4eAAAAaAAAAAAAAAAAAAAAAAAAAAAAAAAAAAAAECcAABAnAAAAAAAAAAAAAAAAAAAAAAAAAAAAAAAAAAAAAAAAAAAAABQAAAAAAAAAwMD/AAAAAABkAAAAMgAAAAAAAABkAAAAAAAAAH9/fwAKAAAAIgAAABgAAAAAAAAAAAAAAAAAAAAAAAAAAAAAAAAAAAAkAAAAJAAAAAAAAAAHAAAAAAAAAAAAAAAAAAAAAAAAAAAAAAAAAAAAf39/ACUAAABYAAAAAAAAAAAAAAAAAAAAAAAAAAAAAAAAAAAAAAAAAAAAAAAAAAAAAAAAAAAAAAA/AAAAAAAAAKCGAQAAAAAAAAAAAAAAAAAMAAAAAQAAAAAAAAAAAAAAAAAAAB8AAABUAAAAAAAABQAAAAEAAAAAAAAAAAAAAAAAAAAAAAAAAAAAAAAAAAAAAAAAAAAAAAJ/f38AAAAAA8zMzADAwP8Af39/AAAAAAAAAAAAAAAAAAAAAAAAAAAAIQAAABgAAAAUAAAA7QUAAOERAACtRQAAHBsAABAAAAAmAAAACAAAAIGQAAAAAAAA"/>
+                <pr:smNativeData xmlns:pr="smNativeData" xmlns="smNativeData" val="SMDATA_15_D/RJaRMAAAAlAAAAZAAAAA0AAAAAkAAAAEgAAACQAAAASAAAAAAAAAACAAAAAAAAAAEAAABQAAAAAAAAAAAA4D8AAAAAAADgPwAAAAAAAOA/AAAAAAAA4D8AAAAAAADgPwAAAAAAAOA/AAAAAAAA4D8AAAAAAADgPwAAAAAAAOA/AAAAAAAA4D8CAAAAjAAAAAAAAAAAAAAAu+DjDP///wgAAAAAAAAAAAAAAAAAAAAAAAAAAAAAAAAAAAAAZAAAAAEAAABAAAAAAAAAAAAAAAAAAAAAAAAAAAAAAAAAAAAAAAAAAAAAAAAAAAAAAAAAAAAAAAAAAAAAAAAAAAAAAAAAAAAAAAAAAAAAAAAAAAAAAAAAAAAAAAAAAAAAFAAAADwAAAAAAAAAAAAAAAAAAAkUAAAAAQAAABQAAAAUAAAAFAAAAAEAAAAAAAAAZAAAAGQAAAAAAAAAZAAAAGQAAAAVAAAAYAAAAAAAAAAAAAAADwAAACADAAAAAAAAAAAAAAEAAACgMgAAVgcAAKr4//8BAAAAf39/AAEAAABkAAAAAAAAABQAAABAHwAAAAAAACYAAAAAAAAAwOD//wAAAAAmAAAAZAAAABYAAABMAAAAAAAAAAAAAAAEAAAAAAAAAAEAAACAgIAKAAAAACgAAAAoAAAAZAAAAGQAAAAAAAAAzMzMAAAAAABQAAAAUAAAAGQAAABkAAAAAAAAABcAAAAUAAAAAAAAAAAAAAD/fwAA/38AAAAAAAAJAAAABAAAAJaoyw4eAAAAaAAAAAAAAAAAAAAAAAAAAAAAAAAAAAAAECcAABAnAAAAAAAAAAAAAAAAAAAAAAAAAAAAAAAAAAAAAAAAAAAAABQAAAAAAAAAwMD/AAAAAABkAAAAMgAAAAAAAABkAAAAAAAAAH9/fwAKAAAAIgAAABgAAAAAAAAAAAAAAAAAAAAAAAAAAAAAAAAAAAAkAAAAJAAAAAAAAAAHAAAAAAAAAAAAAAAAAAAAAAAAAAAAAAAAAAAAf39/ACUAAABYAAAAAAAAAAAAAAAAAAAAAAAAAAAAAAAAAAAAAAAAAAAAAAAAAAAAAAAAAAAAAAA/AAAAAAAAAKCGAQAAAAAAAAAAAAAAAAAMAAAAAQAAAAAAAAAAAAAAAAAAAB8AAABUAAAAAAAABQAAAAEAAAAAAAAAAAAAAAAAAAAAAAAAAAAAAAAAAAAAAAAAAAAAAAJ/f38AAAAAA8zMzADAwP8Af39/AAAAAAAAAAAAAAAAAAAAAAAAAAAAIQAAABgAAAAUAAAA7QUAAOERAACtRQAAHBsAABAAAAAmAAAACAAAAIGQAAAAAAAA"/>
               </a:ext>
             </a:extLst>
           </p:cNvSpPr>
@@ -1126,7 +1126,7 @@
             <a:spLocks noGrp="1" noChangeArrowheads="1"/>
             <a:extLst>
               <a:ext uri="smNativeData">
-                <pr:smNativeData xmlns:pr="smNativeData" xmlns="smNativeData" val="SMDATA_15_msZJaRMAAAAlAAAAZAAAAA0AAAAAkAAAAEgAAACQAAAASAAAAAAAAAABAAAAAAAAAAEAAABQAAAAAAAAAAAA4D8AAAAAAADgPwAAAAAAAOA/AAAAAAAA4D8AAAAAAADgPwAAAAAAAOA/AAAAAAAA4D8AAAAAAADgPwAAAAAAAOA/AAAAAAAA4D8CAAAAjAAAAAAAAAAAAAAAu+DjDP///wgAAAAAAAAAAAAAAAAAAAAAAAAAAAAAAAAAAAAAZAAAAAEAAABAAAAAAAAAAAAAAAAAAAAAAAAAAAAAAAAAAAAAAAAAAAAAAAAAAAAAAAAAAAAAAAAAAAAAAAAAAAAAAAAAAAAAAAAAAAAAAAAAAAAAAAAAAAAAAAAAAAAAFAAAADwAAAAAAAAAAAAAAAAAAAkUAAAAAQAAABQAAAAUAAAAFAAAAAEAAAAAAAAAZAAAAGQAAAAAAAAAZAAAAGQAAAAVAAAAYAAAAAAAAAAAAAAADwAAACADAAAAAAAAAAAAAAEAAACgMgAAVgcAAKr4//8BAAAAf39/AAEAAABkAAAAAAAAABQAAABAHwAAAAAAACYAAAAAAAAAwOD//wAAAAAmAAAAZAAAABYAAABMAAAAAAAAAAAAAAAEAAAAAAAAAAEAAACAgIAKAAAAACgAAAAoAAAAZAAAAGQAAAAAAAAAzMzMAAAAAABQAAAAUAAAAGQAAABkAAAAAAAAABcAAAAUAAAAAAAAAAAAAAD/fwAA/38AAAAAAAAJAAAABAAAACEAAAAeAAAAaAAAAAAAAAAAAAAAAAAAAAAAAAAAAAAAECcAABAnAAAAAAAAAAAAAAAAAAAAAAAAAAAAAAAAAAAAAAAAAAAAABQAAAAAAAAAwMD/AAAAAABkAAAAMgAAAAAAAABkAAAAAAAAAH9/fwAKAAAAIgAAABgAAAAAAAAAAAAAAAAAAAAAAAAAAAAAAAAAAAAkAAAAJAAAAAAAAAAHAAAAAAAAAAAAAAAAAAAAAAAAAAAAAAAAAAAAf39/ACUAAABYAAAAAAAAAAAAAAAAAAAAAAAAAAAAAAAAAAAAAAAAAAAAAAAAAAAAAAAAAAAAAAA/AAAAAAAAAKCGAQAAAAAAAAAAAAAAAAAMAAAAAQAAAAAAAAAAAAAAAAAAAB8AAABUAAAAAAAABQAAAAEAAAAAAAAAAAAAAAAAAAAAAAAAAAAAAAAAAAAAAAAAAAAAAAJ/f38AAAAAA8zMzADAwP8Af39/AAAAAAAAAAAAAAAAAAAAAAAAAAAAIQAAABgAAAAUAAAAwAMAABsnAAA/FQAAWSkAABAAAAAmAAAACAAAAAAAAAAAAAAA"/>
+                <pr:smNativeData xmlns:pr="smNativeData" xmlns="smNativeData" val="SMDATA_15_D/RJaRMAAAAlAAAAZAAAAA0AAAAAkAAAAEgAAACQAAAASAAAAAAAAAABAAAAAAAAAAEAAABQAAAAAAAAAAAA4D8AAAAAAADgPwAAAAAAAOA/AAAAAAAA4D8AAAAAAADgPwAAAAAAAOA/AAAAAAAA4D8AAAAAAADgPwAAAAAAAOA/AAAAAAAA4D8CAAAAjAAAAAAAAAAAAAAAu+DjDP///wgAAAAAAAAAAAAAAAAAAAAAAAAAAAAAAAAAAAAAZAAAAAEAAABAAAAAAAAAAAAAAAAAAAAAAAAAAAAAAAAAAAAAAAAAAAAAAAAAAAAAAAAAAAAAAAAAAAAAAAAAAAAAAAAAAAAAAAAAAAAAAAAAAAAAAAAAAAAAAAAAAAAAFAAAADwAAAAAAAAAAAAAAAAAAAkUAAAAAQAAABQAAAAUAAAAFAAAAAEAAAAAAAAAZAAAAGQAAAAAAAAAZAAAAGQAAAAVAAAAYAAAAAAAAAAAAAAADwAAACADAAAAAAAAAAAAAAEAAACgMgAAVgcAAKr4//8BAAAAf39/AAEAAABkAAAAAAAAABQAAABAHwAAAAAAACYAAAAAAAAAwOD//wAAAAAmAAAAZAAAABYAAABMAAAAAAAAAAAAAAAEAAAAAAAAAAEAAACAgIAKAAAAACgAAAAoAAAAZAAAAGQAAAAAAAAAzMzMAAAAAABQAAAAUAAAAGQAAABkAAAAAAAAABcAAAAUAAAAAAAAAAAAAAD/fwAA/38AAAAAAAAJAAAABAAAACEAAAAeAAAAaAAAAAAAAAAAAAAAAAAAAAAAAAAAAAAAECcAABAnAAAAAAAAAAAAAAAAAAAAAAAAAAAAAAAAAAAAAAAAAAAAABQAAAAAAAAAwMD/AAAAAABkAAAAMgAAAAAAAABkAAAAAAAAAH9/fwAKAAAAIgAAABgAAAAAAAAAAAAAAAAAAAAAAAAAAAAAAAAAAAAkAAAAJAAAAAAAAAAHAAAAAAAAAAAAAAAAAAAAAAAAAAAAAAAAAAAAf39/ACUAAABYAAAAAAAAAAAAAAAAAAAAAAAAAAAAAAAAAAAAAAAAAAAAAAAAAAAAAAAAAAAAAAA/AAAAAAAAAKCGAQAAAAAAAAAAAAAAAAAMAAAAAQAAAAAAAAAAAAAAAAAAAB8AAABUAAAAAAAABQAAAAEAAAAAAAAAAAAAAAAAAAAAAAAAAAAAAAAAAAAAAAAAAAAAAAJ/f38AAAAAA8zMzADAwP8Af39/AAAAAAAAAAAAAAAAAAAAAAAAAAAAIQAAABgAAAAUAAAAwAMAABsnAAA/FQAAWSkAABAAAAAmAAAACAAAAAAAAAAAAAAA"/>
               </a:ext>
             </a:extLst>
           </p:cNvSpPr>
@@ -1140,7 +1140,7 @@
           <a:lstStyle/>
           <a:p>
             <a:pPr/>
-            <a:fld id="{0DCF5CBB-F5E0-9AAA-AE77-03FF12395856}" type="datetime1">
+            <a:fld id="{0C3DFD44-0AE1-680B-AF85-FC5EB3CB59A9}" type="datetime1">
               <a:t>12/16/2025</a:t>
             </a:fld>
           </a:p>
@@ -1153,7 +1153,7 @@
             <a:spLocks noGrp="1" noChangeArrowheads="1"/>
             <a:extLst>
               <a:ext uri="smNativeData">
-                <pr:smNativeData xmlns:pr="smNativeData" xmlns="smNativeData" val="SMDATA_15_msZJaRMAAAAlAAAAZAAAAA0AAAAAkAAAAEgAAACQAAAASAAAAAAAAAABAAAAAAAAAAEAAABQAAAAAAAAAAAA4D8AAAAAAADgPwAAAAAAAOA/AAAAAAAA4D8AAAAAAADgPwAAAAAAAOA/AAAAAAAA4D8AAAAAAADgPwAAAAAAAOA/AAAAAAAA4D8CAAAAjAAAAAAAAAAAAAAAu+DjDP///wgAAAAAAAAAAAAAAAAAAAAAAAAAAAAAAAAAAAAAZAAAAAEAAABAAAAAAAAAAAAAAAAAAAAAAAAAAAAAAAAAAAAAAAAAAAAAAAAAAAAAAAAAAAAAAAAAAAAAAAAAAAAAAAAAAAAAAAAAAAAAAAAAAAAAAAAAAAAAAAAAAAAAFAAAADwAAAAAAAAAAAAAAAAAAAkUAAAAAQAAABQAAAAUAAAAFAAAAAEAAAAAAAAAZAAAAGQAAAAAAAAAZAAAAGQAAAAVAAAAYAAAAAAAAAAAAAAADwAAACADAAAAAAAAAAAAAAEAAACgMgAAVgcAAKr4//8BAAAAf39/AAEAAABkAAAAAAAAABQAAABAHwAAAAAAACYAAAAAAAAAwOD//wAAAAAmAAAAZAAAABYAAABMAAAAAAAAAAAAAAAEAAAAAAAAAAEAAACAgIAKAAAAACgAAAAoAAAAZAAAAGQAAAAAAAAAzMzMAAAAAABQAAAAUAAAAGQAAABkAAAAAAAAABcAAAAUAAAAAAAAAAAAAAD/fwAA/38AAAAAAAAJAAAABAAAAAAAAAAeAAAAaAAAAAAAAAAAAAAAAAAAAAAAAAAAAAAAECcAABAnAAAAAAAAAAAAAAAAAAAAAAAAAAAAAAAAAAAAAAAAAAAAABQAAAAAAAAAwMD/AAAAAABkAAAAMgAAAAAAAABkAAAAAAAAAH9/fwAKAAAAIgAAABgAAAAAAAAAAAAAAAAAAAAAAAAAAAAAAAAAAAAkAAAAJAAAAAAAAAAHAAAAAAAAAAAAAAAAAAAAAAAAAAAAAAAAAAAAf39/ACUAAABYAAAAAAAAAAAAAAAAAAAAAAAAAAAAAAAAAAAAAAAAAAAAAAAAAAAAAAAAAAAAAAA/AAAAAAAAAKCGAQAAAAAAAAAAAAAAAAAMAAAAAQAAAAAAAAAAAAAAAAAAAB8AAABUAAAAAAAABQAAAAEAAAAAAAAAAAAAAAAAAAAAAAAAAAAAAAAAAAAAAAAAAAAAAAJ/f38AAAAAA8zMzADAwP8Af39/AAAAAAAAAAAAAAAAAAAAAAAAAAAAIQAAABgAAAAUAAAAoRkAABsnAABfMQAAWSkAABAAAAAmAAAACAAAAAAAAAAAAAAA"/>
+                <pr:smNativeData xmlns:pr="smNativeData" xmlns="smNativeData" val="SMDATA_15_D/RJaRMAAAAlAAAAZAAAAA0AAAAAkAAAAEgAAACQAAAASAAAAAAAAAABAAAAAAAAAAEAAABQAAAAAAAAAAAA4D8AAAAAAADgPwAAAAAAAOA/AAAAAAAA4D8AAAAAAADgPwAAAAAAAOA/AAAAAAAA4D8AAAAAAADgPwAAAAAAAOA/AAAAAAAA4D8CAAAAjAAAAAAAAAAAAAAAu+DjDP///wgAAAAAAAAAAAAAAAAAAAAAAAAAAAAAAAAAAAAAZAAAAAEAAABAAAAAAAAAAAAAAAAAAAAAAAAAAAAAAAAAAAAAAAAAAAAAAAAAAAAAAAAAAAAAAAAAAAAAAAAAAAAAAAAAAAAAAAAAAAAAAAAAAAAAAAAAAAAAAAAAAAAAFAAAADwAAAAAAAAAAAAAAAAAAAkUAAAAAQAAABQAAAAUAAAAFAAAAAEAAAAAAAAAZAAAAGQAAAAAAAAAZAAAAGQAAAAVAAAAYAAAAAAAAAAAAAAADwAAACADAAAAAAAAAAAAAAEAAACgMgAAVgcAAKr4//8BAAAAf39/AAEAAABkAAAAAAAAABQAAABAHwAAAAAAACYAAAAAAAAAwOD//wAAAAAmAAAAZAAAABYAAABMAAAAAAAAAAAAAAAEAAAAAAAAAAEAAACAgIAKAAAAACgAAAAoAAAAZAAAAGQAAAAAAAAAzMzMAAAAAABQAAAAUAAAAGQAAABkAAAAAAAAABcAAAAUAAAAAAAAAAAAAAD/fwAA/38AAAAAAAAJAAAABAAAAAAAAAAeAAAAaAAAAAAAAAAAAAAAAAAAAAAAAAAAAAAAECcAABAnAAAAAAAAAAAAAAAAAAAAAAAAAAAAAAAAAAAAAAAAAAAAABQAAAAAAAAAwMD/AAAAAABkAAAAMgAAAAAAAABkAAAAAAAAAH9/fwAKAAAAIgAAABgAAAAAAAAAAAAAAAAAAAAAAAAAAAAAAAAAAAAkAAAAJAAAAAAAAAAHAAAAAAAAAAAAAAAAAAAAAAAAAAAAAAAAAAAAf39/ACUAAABYAAAAAAAAAAAAAAAAAAAAAAAAAAAAAAAAAAAAAAAAAAAAAAAAAAAAAAAAAAAAAAA/AAAAAAAAAKCGAQAAAAAAAAAAAAAAAAAMAAAAAQAAAAAAAAAAAAAAAAAAAB8AAABUAAAAAAAABQAAAAEAAAAAAAAAAAAAAAAAAAAAAAAAAAAAAAAAAAAAAAAAAAAAAAJ/f38AAAAAA8zMzADAwP8Af39/AAAAAAAAAAAAAAAAAAAAAAAAAAAAIQAAABgAAAAUAAAAoRkAABsnAABfMQAAWSkAABAAAAAmAAAACAAAAAAAAAAAAAAA"/>
               </a:ext>
             </a:extLst>
           </p:cNvSpPr>
@@ -1177,7 +1177,7 @@
             <a:spLocks noGrp="1" noChangeArrowheads="1"/>
             <a:extLst>
               <a:ext uri="smNativeData">
-                <pr:smNativeData xmlns:pr="smNativeData" xmlns="smNativeData" val="SMDATA_15_msZJaRMAAAAlAAAAZAAAAA0AAAAAkAAAAEgAAACQAAAASAAAAAAAAAABAAAAAAAAAAEAAABQAAAAAAAAAAAA4D8AAAAAAADgPwAAAAAAAOA/AAAAAAAA4D8AAAAAAADgPwAAAAAAAOA/AAAAAAAA4D8AAAAAAADgPwAAAAAAAOA/AAAAAAAA4D8CAAAAjAAAAAAAAAAAAAAAu+DjDP///wgAAAAAAAAAAAAAAAAAAAAAAAAAAAAAAAAAAAAAZAAAAAEAAABAAAAAAAAAAAAAAAAAAAAAAAAAAAAAAAAAAAAAAAAAAAAAAAAAAAAAAAAAAAAAAAAAAAAAAAAAAAAAAAAAAAAAAAAAAAAAAAAAAAAAAAAAAAAAAAAAAAAAFAAAADwAAAAAAAAAAAAAAAAAAAkUAAAAAQAAABQAAAAUAAAAFAAAAAEAAAAAAAAAZAAAAGQAAAAAAAAAZAAAAGQAAAAVAAAAYAAAAAAAAAAAAAAADwAAACADAAAAAAAAAAAAAAEAAACgMgAAVgcAAKr4//8BAAAAf39/AAEAAABkAAAAAAAAABQAAABAHwAAAAAAACYAAAAAAAAAwOD//wAAAAAmAAAAZAAAABYAAABMAAAAAAAAAAAAAAAEAAAAAAAAAAEAAACAgIAKAAAAACgAAAAoAAAAZAAAAGQAAAAAAAAAzMzMAAAAAABQAAAAUAAAAGQAAABkAAAAAAAAABcAAAAUAAAAAAAAAAAAAAD/fwAA/38AAAAAAAAJAAAABAAAAEAoWAweAAAAaAAAAAAAAAAAAAAAAAAAAAAAAAAAAAAAECcAABAnAAAAAAAAAAAAAAAAAAAAAAAAAAAAAAAAAAAAAAAAAAAAABQAAAAAAAAAwMD/AAAAAABkAAAAMgAAAAAAAABkAAAAAAAAAH9/fwAKAAAAIgAAABgAAAAAAAAAAAAAAAAAAAAAAAAAAAAAAAAAAAAkAAAAJAAAAAAAAAAHAAAAAAAAAAAAAAAAAAAAAAAAAAAAAAAAAAAAf39/ACUAAABYAAAAAAAAAAAAAAAAAAAAAAAAAAAAAAAAAAAAAAAAAAAAAAAAAAAAAAAAAAAAAAA/AAAAAAAAAKCGAQAAAAAAAAAAAAAAAAAMAAAAAQAAAAAAAAAAAAAAAAAAAB8AAABUAAAAAAAABQAAAAEAAAAAAAAAAAAAAAAAAAAAAAAAAAAAAAAAAAAAAAAAAAAAAAJ/f38AAAAAA8zMzADAwP8Af39/AAAAAAAAAAAAAAAAAAAAAAAAAAAAIQAAABgAAAAUAAAAwTUAABsnAABARwAAWSkAABAAAAAmAAAACAAAAAAAAAAAAAAA"/>
+                <pr:smNativeData xmlns:pr="smNativeData" xmlns="smNativeData" val="SMDATA_15_D/RJaRMAAAAlAAAAZAAAAA0AAAAAkAAAAEgAAACQAAAASAAAAAAAAAABAAAAAAAAAAEAAABQAAAAAAAAAAAA4D8AAAAAAADgPwAAAAAAAOA/AAAAAAAA4D8AAAAAAADgPwAAAAAAAOA/AAAAAAAA4D8AAAAAAADgPwAAAAAAAOA/AAAAAAAA4D8CAAAAjAAAAAAAAAAAAAAAu+DjDP///wgAAAAAAAAAAAAAAAAAAAAAAAAAAAAAAAAAAAAAZAAAAAEAAABAAAAAAAAAAAAAAAAAAAAAAAAAAAAAAAAAAAAAAAAAAAAAAAAAAAAAAAAAAAAAAAAAAAAAAAAAAAAAAAAAAAAAAAAAAAAAAAAAAAAAAAAAAAAAAAAAAAAAFAAAADwAAAAAAAAAAAAAAAAAAAkUAAAAAQAAABQAAAAUAAAAFAAAAAEAAAAAAAAAZAAAAGQAAAAAAAAAZAAAAGQAAAAVAAAAYAAAAAAAAAAAAAAADwAAACADAAAAAAAAAAAAAAEAAACgMgAAVgcAAKr4//8BAAAAf39/AAEAAABkAAAAAAAAABQAAABAHwAAAAAAACYAAAAAAAAAwOD//wAAAAAmAAAAZAAAABYAAABMAAAAAAAAAAAAAAAEAAAAAAAAAAEAAACAgIAKAAAAACgAAAAoAAAAZAAAAGQAAAAAAAAAzMzMAAAAAABQAAAAUAAAAGQAAABkAAAAAAAAABcAAAAUAAAAAAAAAAAAAAD/fwAA/38AAAAAAAAJAAAABAAAAEAoWAweAAAAaAAAAAAAAAAAAAAAAAAAAAAAAAAAAAAAECcAABAnAAAAAAAAAAAAAAAAAAAAAAAAAAAAAAAAAAAAAAAAAAAAABQAAAAAAAAAwMD/AAAAAABkAAAAMgAAAAAAAABkAAAAAAAAAH9/fwAKAAAAIgAAABgAAAAAAAAAAAAAAAAAAAAAAAAAAAAAAAAAAAAkAAAAJAAAAAAAAAAHAAAAAAAAAAAAAAAAAAAAAAAAAAAAAAAAAAAAf39/ACUAAABYAAAAAAAAAAAAAAAAAAAAAAAAAAAAAAAAAAAAAAAAAAAAAAAAAAAAAAAAAAAAAAA/AAAAAAAAAKCGAQAAAAAAAAAAAAAAAAAMAAAAAQAAAAAAAAAAAAAAAAAAAB8AAABUAAAAAAAABQAAAAEAAAAAAAAAAAAAAAAAAAAAAAAAAAAAAAAAAAAAAAAAAAAAAAJ/f38AAAAAA8zMzADAwP8Af39/AAAAAAAAAAAAAAAAAAAAAAAAAAAAIQAAABgAAAAUAAAAwTUAABsnAABARwAAWSkAABAAAAAmAAAACAAAAAAAAAAAAAAA"/>
               </a:ext>
             </a:extLst>
           </p:cNvSpPr>
@@ -1191,7 +1191,7 @@
           <a:lstStyle/>
           <a:p>
             <a:pPr/>
-            <a:fld id="{0DCF78AB-E5E0-9A8E-AE77-13DB36395846}" type="slidenum">
+            <a:fld id="{0C3DCEB2-FCE1-6838-AF85-0A6D80CB595F}" type="slidenum">
               <a:t>‹#›</a:t>
             </a:fld>
           </a:p>
@@ -1230,7 +1230,7 @@
             <a:spLocks noGrp="1" noChangeArrowheads="1"/>
             <a:extLst>
               <a:ext uri="smNativeData">
-                <pr:smNativeData xmlns:pr="smNativeData" xmlns="smNativeData" val="SMDATA_15_msZJaRMAAAAlAAAAZAAAAA0AAAAAkAAAAEgAAACQAAAASAAAAAAAAAABAAAAAAAAAAEAAABQAAAAAAAAAAAA4D8AAAAAAADgPwAAAAAAAOA/AAAAAAAA4D8AAAAAAADgPwAAAAAAAOA/AAAAAAAA4D8AAAAAAADgPwAAAAAAAOA/AAAAAAAA4D8CAAAAjAAAAAAAAAAAAAAAu+DjDP///wgAAAAAAAAAAAAAAAAAAAAAAAAAAAAAAAAAAAAAZAAAAAEAAABAAAAAAAAAAAAAAAAAAAAAAAAAAAAAAAAAAAAAAAAAAAAAAAAAAAAAAAAAAAAAAAAAAAAAAAAAAAAAAAAAAAAAAAAAAAAAAAAAAAAAAAAAAAAAAAAAAAAAFAAAADwAAAAAAAAAAAAAAAAAAAkUAAAAAQAAABQAAAAUAAAAFAAAAAEAAAAAAAAAZAAAAGQAAAAAAAAAZAAAAGQAAAAVAAAAYAAAAAAAAAAAAAAADwAAACADAAAAAAAAAAAAAAEAAACgMgAAVgcAAKr4//8BAAAAf39/AAEAAABkAAAAAAAAABQAAABAHwAAAAAAACYAAAAAAAAAwOD//wAAAAAmAAAAZAAAABYAAABMAAAAAAAAAAAAAAAEAAAAAAAAAAEAAACAgIAKAAAAACgAAAAoAAAAZAAAAGQAAAAAAAAAzMzMAAAAAABQAAAAUAAAAGQAAABkAAAAAAAAABcAAAAUAAAAAAAAAAAAAAD/fwAA/38AAAAAAAAJAAAABAAAAAAAAAAeAAAAaAAAAAAAAAAAAAAAAAAAAAAAAAAAAAAAECcAABAnAAAAAAAAAAAAAAAAAAAAAAAAAAAAAAAAAAAAAAAAAAAAABQAAAAAAAAAwMD/AAAAAABkAAAAMgAAAAAAAABkAAAAAAAAAH9/fwAKAAAAIgAAABgAAAAAAAAAAAAAAAAAAAAAAAAAAAAAAAAAAAAkAAAAJAAAAAAAAAAHAAAAAAAAAAAAAAAAAAAAAAAAAAAAAAAAAAAAf39/ACUAAABYAAAAAAAAAAAAAAAAAAAAAAAAAAAAAAAAAAAAAAAAAAAAAAAAAAAAAAAAAAAAAAA/AAAAAAAAAKCGAQAAAAAAAAAAAAAAAAAMAAAAAQAAAAAAAAAAAAAAAAAAAB8AAABUAAAAAAAABQAAAAEAAAAAAAAAAAAAAAAAAAAAAAAAAAAAAAAAAAAAAAAAAAAAAAJ/f38AAAAAA8zMzADAwP8Af39/AAAAAAAAAAAAAAAAAAAAAAAAAAAAIQAAABgAAAAUAAAAwAMAALABAABARwAAuAgAABAAAAAmAAAACAAAAAAAAAAAAAAA"/>
+                <pr:smNativeData xmlns:pr="smNativeData" xmlns="smNativeData" val="SMDATA_15_D/RJaRMAAAAlAAAAZAAAAA0AAAAAkAAAAEgAAACQAAAASAAAAAAAAAABAAAAAAAAAAEAAABQAAAAAAAAAAAA4D8AAAAAAADgPwAAAAAAAOA/AAAAAAAA4D8AAAAAAADgPwAAAAAAAOA/AAAAAAAA4D8AAAAAAADgPwAAAAAAAOA/AAAAAAAA4D8CAAAAjAAAAAAAAAAAAAAAu+DjDP///wgAAAAAAAAAAAAAAAAAAAAAAAAAAAAAAAAAAAAAZAAAAAEAAABAAAAAAAAAAAAAAAAAAAAAAAAAAAAAAAAAAAAAAAAAAAAAAAAAAAAAAAAAAAAAAAAAAAAAAAAAAAAAAAAAAAAAAAAAAAAAAAAAAAAAAAAAAAAAAAAAAAAAFAAAADwAAAAAAAAAAAAAAAAAAAkUAAAAAQAAABQAAAAUAAAAFAAAAAEAAAAAAAAAZAAAAGQAAAAAAAAAZAAAAGQAAAAVAAAAYAAAAAAAAAAAAAAADwAAACADAAAAAAAAAAAAAAEAAACgMgAAVgcAAKr4//8BAAAAf39/AAEAAABkAAAAAAAAABQAAABAHwAAAAAAACYAAAAAAAAAwOD//wAAAAAmAAAAZAAAABYAAABMAAAAAAAAAAAAAAAEAAAAAAAAAAEAAACAgIAKAAAAACgAAAAoAAAAZAAAAGQAAAAAAAAAzMzMAAAAAABQAAAAUAAAAGQAAABkAAAAAAAAABcAAAAUAAAAAAAAAAAAAAD/fwAA/38AAAAAAAAJAAAABAAAAAAAAAAeAAAAaAAAAAAAAAAAAAAAAAAAAAAAAAAAAAAAECcAABAnAAAAAAAAAAAAAAAAAAAAAAAAAAAAAAAAAAAAAAAAAAAAABQAAAAAAAAAwMD/AAAAAABkAAAAMgAAAAAAAABkAAAAAAAAAH9/fwAKAAAAIgAAABgAAAAAAAAAAAAAAAAAAAAAAAAAAAAAAAAAAAAkAAAAJAAAAAAAAAAHAAAAAAAAAAAAAAAAAAAAAAAAAAAAAAAAAAAAf39/ACUAAABYAAAAAAAAAAAAAAAAAAAAAAAAAAAAAAAAAAAAAAAAAAAAAAAAAAAAAAAAAAAAAAA/AAAAAAAAAKCGAQAAAAAAAAAAAAAAAAAMAAAAAQAAAAAAAAAAAAAAAAAAAB8AAABUAAAAAAAABQAAAAEAAAAAAAAAAAAAAAAAAAAAAAAAAAAAAAAAAAAAAAAAAAAAAAJ/f38AAAAAA8zMzADAwP8Af39/AAAAAAAAAAAAAAAAAAAAAAAAAAAAIQAAABgAAAAUAAAAwAMAALABAABARwAAuAgAABAAAAAmAAAACAAAAAAAAAAAAAAA"/>
               </a:ext>
             </a:extLst>
           </p:cNvSpPr>
@@ -1257,7 +1257,7 @@
             <a:spLocks noGrp="1" noChangeArrowheads="1"/>
             <a:extLst>
               <a:ext uri="smNativeData">
-                <pr:smNativeData xmlns:pr="smNativeData" xmlns="smNativeData" val="SMDATA_15_msZJaRMAAAAlAAAAZAAAAA0AAAAAkAAAAEgAAACQAAAASAAAAAAAAAAAAAAAAAAAAAEAAABQAAAAAAAAAAAA4D8AAAAAAADgPwAAAAAAAOA/AAAAAAAA4D8AAAAAAADgPwAAAAAAAOA/AAAAAAAA4D8AAAAAAADgPwAAAAAAAOA/AAAAAAAA4D8CAAAAjAAAAAAAAAAAAAAAu+DjDP///wgAAAAAAAAAAAAAAAAAAAAAAAAAAAAAAAAAAAAAZAAAAAEAAABAAAAAAAAAAAAAAAAAAAAAAAAAAAAAAAAAAAAAAAAAAAAAAAAAAAAAAAAAAAAAAAAAAAAAAAAAAAAAAAAAAAAAAAAAAAAAAAAAAAAAAAAAAAAAAAAAAAAAFAAAADwAAAAAAAAAAAAAAAAAAAkUAAAAAQAAABQAAAAUAAAAFAAAAAEAAAAAAAAAZAAAAGQAAAAAAAAAZAAAAGQAAAAVAAAAYAAAAAAAAAAAAAAADwAAACADAAAAAAAAAAAAAAEAAACgMgAAVgcAAKr4//8BAAAAf39/AAEAAABkAAAAAAAAABQAAABAHwAAAAAAACYAAAAAAAAAwOD//wAAAAAmAAAAZAAAABYAAABMAAAAAAAAAAAAAAAEAAAAAAAAAAEAAACAgIAKAAAAACgAAAAoAAAAZAAAAGQAAAAAAAAAzMzMAAAAAABQAAAAUAAAAGQAAABkAAAAAAAAABcAAAAUAAAAAAAAAAAAAAD/fwAA/38AAAAAAAAJAAAABAAAAJgGAAAeAAAAaAAAAAAAAAAAAAAAAAAAAAAAAAAAAAAAECcAABAnAAAAAAAAAAAAAAAAAAAAAAAAAAAAAAAAAAAAAAAAAAAAABQAAAAAAAAAwMD/AAAAAABkAAAAMgAAAAAAAABkAAAAAAAAAH9/fwAKAAAAIgAAABgAAAAAAAAAAAAAAAAAAAAAAAAAAAAAAAAAAAAkAAAAJAAAAAAAAAAHAAAAAAAAAAAAAAAAAAAAAAAAAAAAAAAAAAAAf39/ACUAAABYAAAAAAAAAAAAAAAAAAAAAAAAAAAAAAAAAAAAAAAAAAAAAAAAAAAAAAAAAAAAAAA/AAAAAAAAAKCGAQAAAAAAAAAAAAAAAAAMAAAAAQAAAAAAAAAAAAAAAAAAAB8AAABUAAAAAAAABQAAAAEAAAAAAAAAAAAAAAAAAAAAAAAAAAAAAAAAAAAAAAAAAAAAAAJ/f38AAAAAA8zMzADAwP8Af39/AAAAAAAAAAAAAAAAAAAAAAAAAAAAIQAAABgAAAAUAAAAwAMAANgJAADhJAAAsCUAABAAAAAmAAAACAAAAAGAAAAAAAAA"/>
+                <pr:smNativeData xmlns:pr="smNativeData" xmlns="smNativeData" val="SMDATA_15_D/RJaRMAAAAlAAAAZAAAAA0AAAAAkAAAAEgAAACQAAAASAAAAAAAAAAAAAAAAAAAAAEAAABQAAAAAAAAAAAA4D8AAAAAAADgPwAAAAAAAOA/AAAAAAAA4D8AAAAAAADgPwAAAAAAAOA/AAAAAAAA4D8AAAAAAADgPwAAAAAAAOA/AAAAAAAA4D8CAAAAjAAAAAAAAAAAAAAAu+DjDP///wgAAAAAAAAAAAAAAAAAAAAAAAAAAAAAAAAAAAAAZAAAAAEAAABAAAAAAAAAAAAAAAAAAAAAAAAAAAAAAAAAAAAAAAAAAAAAAAAAAAAAAAAAAAAAAAAAAAAAAAAAAAAAAAAAAAAAAAAAAAAAAAAAAAAAAAAAAAAAAAAAAAAAFAAAADwAAAAAAAAAAAAAAAAAAAkUAAAAAQAAABQAAAAUAAAAFAAAAAEAAAAAAAAAZAAAAGQAAAAAAAAAZAAAAGQAAAAVAAAAYAAAAAAAAAAAAAAADwAAACADAAAAAAAAAAAAAAEAAACgMgAAVgcAAKr4//8BAAAAf39/AAEAAABkAAAAAAAAABQAAABAHwAAAAAAACYAAAAAAAAAwOD//wAAAAAmAAAAZAAAABYAAABMAAAAAAAAAAAAAAAEAAAAAAAAAAEAAACAgIAKAAAAACgAAAAoAAAAZAAAAGQAAAAAAAAAzMzMAAAAAABQAAAAUAAAAGQAAABkAAAAAAAAABcAAAAUAAAAAAAAAAAAAAD/fwAA/38AAAAAAAAJAAAABAAAAJgGAAAeAAAAaAAAAAAAAAAAAAAAAAAAAAAAAAAAAAAAECcAABAnAAAAAAAAAAAAAAAAAAAAAAAAAAAAAAAAAAAAAAAAAAAAABQAAAAAAAAAwMD/AAAAAABkAAAAMgAAAAAAAABkAAAAAAAAAH9/fwAKAAAAIgAAABgAAAAAAAAAAAAAAAAAAAAAAAAAAAAAAAAAAAAkAAAAJAAAAAAAAAAHAAAAAAAAAAAAAAAAAAAAAAAAAAAAAAAAAAAAf39/ACUAAABYAAAAAAAAAAAAAAAAAAAAAAAAAAAAAAAAAAAAAAAAAAAAAAAAAAAAAAAAAAAAAAA/AAAAAAAAAKCGAQAAAAAAAAAAAAAAAAAMAAAAAQAAAAAAAAAAAAAAAAAAAB8AAABUAAAAAAAABQAAAAEAAAAAAAAAAAAAAAAAAAAAAAAAAAAAAAAAAAAAAAAAAAAAAAJ/f38AAAAAA8zMzADAwP8Af39/AAAAAAAAAAAAAAAAAAAAAAAAAAAAIQAAABgAAAAUAAAAwAMAANgJAADhJAAAsCUAABAAAAAmAAAACAAAAAGAAAAAAAAA"/>
               </a:ext>
             </a:extLst>
           </p:cNvSpPr>
@@ -1341,7 +1341,7 @@
             <a:spLocks noGrp="1" noChangeArrowheads="1"/>
             <a:extLst>
               <a:ext uri="smNativeData">
-                <pr:smNativeData xmlns:pr="smNativeData" xmlns="smNativeData" val="SMDATA_15_msZJaRMAAAAlAAAAZAAAAA0AAAAAkAAAAEgAAACQAAAASAAAAAAAAAAAAAAAAAAAAAEAAABQAAAAAAAAAAAA4D8AAAAAAADgPwAAAAAAAOA/AAAAAAAA4D8AAAAAAADgPwAAAAAAAOA/AAAAAAAA4D8AAAAAAADgPwAAAAAAAOA/AAAAAAAA4D8CAAAAjAAAAAAAAAAAAAAAu+DjDP///wgAAAAAAAAAAAAAAAAAAAAAAAAAAAAAAAAAAAAAZAAAAAEAAABAAAAAAAAAAAAAAAAAAAAAAAAAAAAAAAAAAAAAAAAAAAAAAAAAAAAAAAAAAAAAAAAAAAAAAAAAAAAAAAAAAAAAAAAAAAAAAAAAAAAAAAAAAAAAAAAAAAAAFAAAADwAAAAAAAAAAAAAAAAAAAkUAAAAAQAAABQAAAAUAAAAFAAAAAEAAAAAAAAAZAAAAGQAAAAAAAAAZAAAAGQAAAAVAAAAYAAAAAAAAAAAAAAADwAAACADAAAAAAAAAAAAAAEAAACgMgAAVgcAAKr4//8BAAAAf39/AAEAAABkAAAAAAAAABQAAABAHwAAAAAAACYAAAAAAAAAwOD//wAAAAAmAAAAZAAAABYAAABMAAAAAAAAAAAAAAAEAAAAAAAAAAEAAACAgIAKAAAAACgAAAAoAAAAZAAAAGQAAAAAAAAAzMzMAAAAAABQAAAAUAAAAGQAAABkAAAAAAAAABcAAAAUAAAAAAAAAAAAAAD/fwAA/38AAAAAAAAJAAAABAAAAFhUxw4eAAAAaAAAAAAAAAAAAAAAAAAAAAAAAAAAAAAAECcAABAnAAAAAAAAAAAAAAAAAAAAAAAAAAAAAAAAAAAAAAAAAAAAABQAAAAAAAAAwMD/AAAAAABkAAAAMgAAAAAAAABkAAAAAAAAAH9/fwAKAAAAIgAAABgAAAAAAAAAAAAAAAAAAAAAAAAAAAAAAAAAAAAkAAAAJAAAAAAAAAAHAAAAAAAAAAAAAAAAAAAAAAAAAAAAAAAAAAAAf39/ACUAAABYAAAAAAAAAAAAAAAAAAAAAAAAAAAAAAAAAAAAAAAAAAAAAAAAAAAAAAAAAAAAAAA/AAAAAAAAAKCGAQAAAAAAAAAAAAAAAAAMAAAAAQAAAAAAAAAAAAAAAAAAAB8AAABUAAAAAAAABQAAAAEAAAAAAAAAAAAAAAAAAAAAAAAAAAAAAAAAAAAAAAAAAAAAAAJ/f38AAAAAA8zMzADAwP8Af39/AAAAAAAAAAAAAAAAAAAAAAAAAAAAIQAAABgAAAAUAAAAHyYAANgJAABARwAAsCUAABAAAAAmAAAACAAAAAGAAAAAAAAA"/>
+                <pr:smNativeData xmlns:pr="smNativeData" xmlns="smNativeData" val="SMDATA_15_D/RJaRMAAAAlAAAAZAAAAA0AAAAAkAAAAEgAAACQAAAASAAAAAAAAAAAAAAAAAAAAAEAAABQAAAAAAAAAAAA4D8AAAAAAADgPwAAAAAAAOA/AAAAAAAA4D8AAAAAAADgPwAAAAAAAOA/AAAAAAAA4D8AAAAAAADgPwAAAAAAAOA/AAAAAAAA4D8CAAAAjAAAAAAAAAAAAAAAu+DjDP///wgAAAAAAAAAAAAAAAAAAAAAAAAAAAAAAAAAAAAAZAAAAAEAAABAAAAAAAAAAAAAAAAAAAAAAAAAAAAAAAAAAAAAAAAAAAAAAAAAAAAAAAAAAAAAAAAAAAAAAAAAAAAAAAAAAAAAAAAAAAAAAAAAAAAAAAAAAAAAAAAAAAAAFAAAADwAAAAAAAAAAAAAAAAAAAkUAAAAAQAAABQAAAAUAAAAFAAAAAEAAAAAAAAAZAAAAGQAAAAAAAAAZAAAAGQAAAAVAAAAYAAAAAAAAAAAAAAADwAAACADAAAAAAAAAAAAAAEAAACgMgAAVgcAAKr4//8BAAAAf39/AAEAAABkAAAAAAAAABQAAABAHwAAAAAAACYAAAAAAAAAwOD//wAAAAAmAAAAZAAAABYAAABMAAAAAAAAAAAAAAAEAAAAAAAAAAEAAACAgIAKAAAAACgAAAAoAAAAZAAAAGQAAAAAAAAAzMzMAAAAAABQAAAAUAAAAGQAAABkAAAAAAAAABcAAAAUAAAAAAAAAAAAAAD/fwAA/38AAAAAAAAJAAAABAAAAFhUxw4eAAAAaAAAAAAAAAAAAAAAAAAAAAAAAAAAAAAAECcAABAnAAAAAAAAAAAAAAAAAAAAAAAAAAAAAAAAAAAAAAAAAAAAABQAAAAAAAAAwMD/AAAAAABkAAAAMgAAAAAAAABkAAAAAAAAAH9/fwAKAAAAIgAAABgAAAAAAAAAAAAAAAAAAAAAAAAAAAAAAAAAAAAkAAAAJAAAAAAAAAAHAAAAAAAAAAAAAAAAAAAAAAAAAAAAAAAAAAAAf39/ACUAAABYAAAAAAAAAAAAAAAAAAAAAAAAAAAAAAAAAAAAAAAAAAAAAAAAAAAAAAAAAAAAAAA/AAAAAAAAAKCGAQAAAAAAAAAAAAAAAAAMAAAAAQAAAAAAAAAAAAAAAAAAAB8AAABUAAAAAAAABQAAAAEAAAAAAAAAAAAAAAAAAAAAAAAAAAAAAAAAAAAAAAAAAAAAAAJ/f38AAAAAA8zMzADAwP8Af39/AAAAAAAAAAAAAAAAAAAAAAAAAAAAIQAAABgAAAAUAAAAHyYAANgJAABARwAAsCUAABAAAAAmAAAACAAAAAGAAAAAAAAA"/>
               </a:ext>
             </a:extLst>
           </p:cNvSpPr>
@@ -1425,7 +1425,7 @@
             <a:spLocks noGrp="1" noChangeArrowheads="1"/>
             <a:extLst>
               <a:ext uri="smNativeData">
-                <pr:smNativeData xmlns:pr="smNativeData" xmlns="smNativeData" val="SMDATA_15_msZJaRMAAAAlAAAAZAAAAA0AAAAAkAAAAEgAAACQAAAASAAAAAAAAAABAAAAAAAAAAEAAABQAAAAAAAAAAAA4D8AAAAAAADgPwAAAAAAAOA/AAAAAAAA4D8AAAAAAADgPwAAAAAAAOA/AAAAAAAA4D8AAAAAAADgPwAAAAAAAOA/AAAAAAAA4D8CAAAAjAAAAAAAAAAAAAAAu+DjDP///wgAAAAAAAAAAAAAAAAAAAAAAAAAAAAAAAAAAAAAZAAAAAEAAABAAAAAAAAAAAAAAAAAAAAAAAAAAAAAAAAAAAAAAAAAAAAAAAAAAAAAAAAAAAAAAAAAAAAAAAAAAAAAAAAAAAAAAAAAAAAAAAAAAAAAAAAAAAAAAAAAAAAAFAAAADwAAAAAAAAAAAAAAAAAAAkUAAAAAQAAABQAAAAUAAAAFAAAAAEAAAAAAAAAZAAAAGQAAAAAAAAAZAAAAGQAAAAVAAAAYAAAAAAAAAAAAAAADwAAACADAAAAAAAAAAAAAAEAAACgMgAAVgcAAKr4//8BAAAAf39/AAEAAABkAAAAAAAAABQAAABAHwAAAAAAACYAAAAAAAAAwOD//wAAAAAmAAAAZAAAABYAAABMAAAAAAAAAAAAAAAEAAAAAAAAAAEAAACAgIAKAAAAACgAAAAoAAAAZAAAAGQAAAAAAAAAzMzMAAAAAABQAAAAUAAAAGQAAABkAAAAAAAAABcAAAAUAAAAAAAAAAAAAAD/fwAA/38AAAAAAAAJAAAABAAAAAAAAAAeAAAAaAAAAAAAAAAAAAAAAAAAAAAAAAAAAAAAECcAABAnAAAAAAAAAAAAAAAAAAAAAAAAAAAAAAAAAAAAAAAAAAAAABQAAAAAAAAAwMD/AAAAAABkAAAAMgAAAAAAAABkAAAAAAAAAH9/fwAKAAAAIgAAABgAAAAAAAAAAAAAAAAAAAAAAAAAAAAAAAAAAAAkAAAAJAAAAAAAAAAHAAAAAAAAAAAAAAAAAAAAAAAAAAAAAAAAAAAAf39/ACUAAABYAAAAAAAAAAAAAAAAAAAAAAAAAAAAAAAAAAAAAAAAAAAAAAAAAAAAAAAAAAAAAAA/AAAAAAAAAKCGAQAAAAAAAAAAAAAAAAAMAAAAAQAAAAAAAAAAAAAAAAAAAB8AAABUAAAAAAAABQAAAAEAAAAAAAAAAAAAAAAAAAAAAAAAAAAAAAAAAAAAAAAAAAAAAAJ/f38AAAAAA8zMzADAwP8Af39/AAAAAAAAAAAAAAAAAAAAAAAAAAAAIQAAABgAAAAUAAAAwAMAABsnAAA/FQAAWSkAABAAAAAmAAAACAAAAAAAAAAAAAAA"/>
+                <pr:smNativeData xmlns:pr="smNativeData" xmlns="smNativeData" val="SMDATA_15_D/RJaRMAAAAlAAAAZAAAAA0AAAAAkAAAAEgAAACQAAAASAAAAAAAAAABAAAAAAAAAAEAAABQAAAAAAAAAAAA4D8AAAAAAADgPwAAAAAAAOA/AAAAAAAA4D8AAAAAAADgPwAAAAAAAOA/AAAAAAAA4D8AAAAAAADgPwAAAAAAAOA/AAAAAAAA4D8CAAAAjAAAAAAAAAAAAAAAu+DjDP///wgAAAAAAAAAAAAAAAAAAAAAAAAAAAAAAAAAAAAAZAAAAAEAAABAAAAAAAAAAAAAAAAAAAAAAAAAAAAAAAAAAAAAAAAAAAAAAAAAAAAAAAAAAAAAAAAAAAAAAAAAAAAAAAAAAAAAAAAAAAAAAAAAAAAAAAAAAAAAAAAAAAAAFAAAADwAAAAAAAAAAAAAAAAAAAkUAAAAAQAAABQAAAAUAAAAFAAAAAEAAAAAAAAAZAAAAGQAAAAAAAAAZAAAAGQAAAAVAAAAYAAAAAAAAAAAAAAADwAAACADAAAAAAAAAAAAAAEAAACgMgAAVgcAAKr4//8BAAAAf39/AAEAAABkAAAAAAAAABQAAABAHwAAAAAAACYAAAAAAAAAwOD//wAAAAAmAAAAZAAAABYAAABMAAAAAAAAAAAAAAAEAAAAAAAAAAEAAACAgIAKAAAAACgAAAAoAAAAZAAAAGQAAAAAAAAAzMzMAAAAAABQAAAAUAAAAGQAAABkAAAAAAAAABcAAAAUAAAAAAAAAAAAAAD/fwAA/38AAAAAAAAJAAAABAAAAAAAAAAeAAAAaAAAAAAAAAAAAAAAAAAAAAAAAAAAAAAAECcAABAnAAAAAAAAAAAAAAAAAAAAAAAAAAAAAAAAAAAAAAAAAAAAABQAAAAAAAAAwMD/AAAAAABkAAAAMgAAAAAAAABkAAAAAAAAAH9/fwAKAAAAIgAAABgAAAAAAAAAAAAAAAAAAAAAAAAAAAAAAAAAAAAkAAAAJAAAAAAAAAAHAAAAAAAAAAAAAAAAAAAAAAAAAAAAAAAAAAAAf39/ACUAAABYAAAAAAAAAAAAAAAAAAAAAAAAAAAAAAAAAAAAAAAAAAAAAAAAAAAAAAAAAAAAAAA/AAAAAAAAAKCGAQAAAAAAAAAAAAAAAAAMAAAAAQAAAAAAAAAAAAAAAAAAAB8AAABUAAAAAAAABQAAAAEAAAAAAAAAAAAAAAAAAAAAAAAAAAAAAAAAAAAAAAAAAAAAAAJ/f38AAAAAA8zMzADAwP8Af39/AAAAAAAAAAAAAAAAAAAAAAAAAAAAIQAAABgAAAAUAAAAwAMAABsnAAA/FQAAWSkAABAAAAAmAAAACAAAAAAAAAAAAAAA"/>
               </a:ext>
             </a:extLst>
           </p:cNvSpPr>
@@ -1439,7 +1439,7 @@
           <a:lstStyle/>
           <a:p>
             <a:pPr/>
-            <a:fld id="{0DCF66FA-B4E0-9A90-AE77-42C528395817}" type="datetime1">
+            <a:fld id="{0C3DC82A-64E1-683E-AF85-926B86CB59C7}" type="datetime1">
               <a:t>12/16/2025</a:t>
             </a:fld>
           </a:p>
@@ -1452,7 +1452,7 @@
             <a:spLocks noGrp="1" noChangeArrowheads="1"/>
             <a:extLst>
               <a:ext uri="smNativeData">
-                <pr:smNativeData xmlns:pr="smNativeData" xmlns="smNativeData" val="SMDATA_15_msZJaRMAAAAlAAAAZAAAAA0AAAAAkAAAAEgAAACQAAAASAAAAAAAAAABAAAAAAAAAAEAAABQAAAAAAAAAAAA4D8AAAAAAADgPwAAAAAAAOA/AAAAAAAA4D8AAAAAAADgPwAAAAAAAOA/AAAAAAAA4D8AAAAAAADgPwAAAAAAAOA/AAAAAAAA4D8CAAAAjAAAAAAAAAAAAAAAu+DjDP///wgAAAAAAAAAAAAAAAAAAAAAAAAAAAAAAAAAAAAAZAAAAAEAAABAAAAAAAAAAAAAAAAAAAAAAAAAAAAAAAAAAAAAAAAAAAAAAAAAAAAAAAAAAAAAAAAAAAAAAAAAAAAAAAAAAAAAAAAAAAAAAAAAAAAAAAAAAAAAAAAAAAAAFAAAADwAAAAAAAAAAAAAAAAAAAkUAAAAAQAAABQAAAAUAAAAFAAAAAEAAAAAAAAAZAAAAGQAAAAAAAAAZAAAAGQAAAAVAAAAYAAAAAAAAAAAAAAADwAAACADAAAAAAAAAAAAAAEAAACgMgAAVgcAAKr4//8BAAAAf39/AAEAAABkAAAAAAAAABQAAABAHwAAAAAAACYAAAAAAAAAwOD//wAAAAAmAAAAZAAAABYAAABMAAAAAAAAAAAAAAAEAAAAAAAAAAEAAACAgIAKAAAAACgAAAAoAAAAZAAAAGQAAAAAAAAAzMzMAAAAAABQAAAAUAAAAGQAAABkAAAAAAAAABcAAAAUAAAAAAAAAAAAAAD/fwAA/38AAAAAAAAJAAAABAAAAAAAAAAeAAAAaAAAAAAAAAAAAAAAAAAAAAAAAAAAAAAAECcAABAnAAAAAAAAAAAAAAAAAAAAAAAAAAAAAAAAAAAAAAAAAAAAABQAAAAAAAAAwMD/AAAAAABkAAAAMgAAAAAAAABkAAAAAAAAAH9/fwAKAAAAIgAAABgAAAAAAAAAAAAAAAAAAAAAAAAAAAAAAAAAAAAkAAAAJAAAAAAAAAAHAAAAAAAAAAAAAAAAAAAAAAAAAAAAAAAAAAAAf39/ACUAAABYAAAAAAAAAAAAAAAAAAAAAAAAAAAAAAAAAAAAAAAAAAAAAAAAAAAAAAAAAAAAAAA/AAAAAAAAAKCGAQAAAAAAAAAAAAAAAAAMAAAAAQAAAAAAAAAAAAAAAAAAAB8AAABUAAAAAAAABQAAAAEAAAAAAAAAAAAAAAAAAAAAAAAAAAAAAAAAAAAAAAAAAAAAAAJ/f38AAAAAA8zMzADAwP8Af39/AAAAAAAAAAAAAAAAAAAAAAAAAAAAIQAAABgAAAAUAAAAoRkAABsnAABfMQAAWSkAABAAAAAmAAAACAAAAAAAAAAAAAAA"/>
+                <pr:smNativeData xmlns:pr="smNativeData" xmlns="smNativeData" val="SMDATA_15_D/RJaRMAAAAlAAAAZAAAAA0AAAAAkAAAAEgAAACQAAAASAAAAAAAAAABAAAAAAAAAAEAAABQAAAAAAAAAAAA4D8AAAAAAADgPwAAAAAAAOA/AAAAAAAA4D8AAAAAAADgPwAAAAAAAOA/AAAAAAAA4D8AAAAAAADgPwAAAAAAAOA/AAAAAAAA4D8CAAAAjAAAAAAAAAAAAAAAu+DjDP///wgAAAAAAAAAAAAAAAAAAAAAAAAAAAAAAAAAAAAAZAAAAAEAAABAAAAAAAAAAAAAAAAAAAAAAAAAAAAAAAAAAAAAAAAAAAAAAAAAAAAAAAAAAAAAAAAAAAAAAAAAAAAAAAAAAAAAAAAAAAAAAAAAAAAAAAAAAAAAAAAAAAAAFAAAADwAAAAAAAAAAAAAAAAAAAkUAAAAAQAAABQAAAAUAAAAFAAAAAEAAAAAAAAAZAAAAGQAAAAAAAAAZAAAAGQAAAAVAAAAYAAAAAAAAAAAAAAADwAAACADAAAAAAAAAAAAAAEAAACgMgAAVgcAAKr4//8BAAAAf39/AAEAAABkAAAAAAAAABQAAABAHwAAAAAAACYAAAAAAAAAwOD//wAAAAAmAAAAZAAAABYAAABMAAAAAAAAAAAAAAAEAAAAAAAAAAEAAACAgIAKAAAAACgAAAAoAAAAZAAAAGQAAAAAAAAAzMzMAAAAAABQAAAAUAAAAGQAAABkAAAAAAAAABcAAAAUAAAAAAAAAAAAAAD/fwAA/38AAAAAAAAJAAAABAAAAAAAAAAeAAAAaAAAAAAAAAAAAAAAAAAAAAAAAAAAAAAAECcAABAnAAAAAAAAAAAAAAAAAAAAAAAAAAAAAAAAAAAAAAAAAAAAABQAAAAAAAAAwMD/AAAAAABkAAAAMgAAAAAAAABkAAAAAAAAAH9/fwAKAAAAIgAAABgAAAAAAAAAAAAAAAAAAAAAAAAAAAAAAAAAAAAkAAAAJAAAAAAAAAAHAAAAAAAAAAAAAAAAAAAAAAAAAAAAAAAAAAAAf39/ACUAAABYAAAAAAAAAAAAAAAAAAAAAAAAAAAAAAAAAAAAAAAAAAAAAAAAAAAAAAAAAAAAAAA/AAAAAAAAAKCGAQAAAAAAAAAAAAAAAAAMAAAAAQAAAAAAAAAAAAAAAAAAAB8AAABUAAAAAAAABQAAAAEAAAAAAAAAAAAAAAAAAAAAAAAAAAAAAAAAAAAAAAAAAAAAAAJ/f38AAAAAA8zMzADAwP8Af39/AAAAAAAAAAAAAAAAAAAAAAAAAAAAIQAAABgAAAAUAAAAoRkAABsnAABfMQAAWSkAABAAAAAmAAAACAAAAAAAAAAAAAAA"/>
               </a:ext>
             </a:extLst>
           </p:cNvSpPr>
@@ -1476,7 +1476,7 @@
             <a:spLocks noGrp="1" noChangeArrowheads="1"/>
             <a:extLst>
               <a:ext uri="smNativeData">
-                <pr:smNativeData xmlns:pr="smNativeData" xmlns="smNativeData" val="SMDATA_15_msZJaRMAAAAlAAAAZAAAAA0AAAAAkAAAAEgAAACQAAAASAAAAAAAAAABAAAAAAAAAAEAAABQAAAAAAAAAAAA4D8AAAAAAADgPwAAAAAAAOA/AAAAAAAA4D8AAAAAAADgPwAAAAAAAOA/AAAAAAAA4D8AAAAAAADgPwAAAAAAAOA/AAAAAAAA4D8CAAAAjAAAAAAAAAAAAAAAu+DjDP///wgAAAAAAAAAAAAAAAAAAAAAAAAAAAAAAAAAAAAAZAAAAAEAAABAAAAAAAAAAAAAAAAAAAAAAAAAAAAAAAAAAAAAAAAAAAAAAAAAAAAAAAAAAAAAAAAAAAAAAAAAAAAAAAAAAAAAAAAAAAAAAAAAAAAAAAAAAAAAAAAAAAAAFAAAADwAAAAAAAAAAAAAAAAAAAkUAAAAAQAAABQAAAAUAAAAFAAAAAEAAAAAAAAAZAAAAGQAAAAAAAAAZAAAAGQAAAAVAAAAYAAAAAAAAAAAAAAADwAAACADAAAAAAAAAAAAAAEAAACgMgAAVgcAAKr4//8BAAAAf39/AAEAAABkAAAAAAAAABQAAABAHwAAAAAAACYAAAAAAAAAwOD//wAAAAAmAAAAZAAAABYAAABMAAAAAAAAAAAAAAAEAAAAAAAAAAEAAACAgIAKAAAAACgAAAAoAAAAZAAAAGQAAAAAAAAAzMzMAAAAAABQAAAAUAAAAGQAAABkAAAAAAAAABcAAAAUAAAAAAAAAAAAAAD/fwAA/38AAAAAAAAJAAAABAAAAOrv9v8eAAAAaAAAAAAAAAAAAAAAAAAAAAAAAAAAAAAAECcAABAnAAAAAAAAAAAAAAAAAAAAAAAAAAAAAAAAAAAAAAAAAAAAABQAAAAAAAAAwMD/AAAAAABkAAAAMgAAAAAAAABkAAAAAAAAAH9/fwAKAAAAIgAAABgAAAAAAAAAAAAAAAAAAAAAAAAAAAAAAAAAAAAkAAAAJAAAAAAAAAAHAAAAAAAAAAAAAAAAAAAAAAAAAAAAAAAAAAAAf39/ACUAAABYAAAAAAAAAAAAAAAAAAAAAAAAAAAAAAAAAAAAAAAAAAAAAAAAAAAAAAAAAAAAAAA/AAAAAAAAAKCGAQAAAAAAAAAAAAAAAAAMAAAAAQAAAAAAAAAAAAAAAAAAAB8AAABUAAAAAAAABQAAAAEAAAAAAAAAAAAAAAAAAAAAAAAAAAAAAAAAAAAAAAAAAAAAAAJ/f38AAAAAA8zMzADAwP8Af39/AAAAAAAAAAAAAAAAAAAAAAAAAAAAIQAAABgAAAAUAAAAwTUAABsnAABARwAAWSkAABAAAAAmAAAACAAAAAAAAAAAAAAA"/>
+                <pr:smNativeData xmlns:pr="smNativeData" xmlns="smNativeData" val="SMDATA_15_D/RJaRMAAAAlAAAAZAAAAA0AAAAAkAAAAEgAAACQAAAASAAAAAAAAAABAAAAAAAAAAEAAABQAAAAAAAAAAAA4D8AAAAAAADgPwAAAAAAAOA/AAAAAAAA4D8AAAAAAADgPwAAAAAAAOA/AAAAAAAA4D8AAAAAAADgPwAAAAAAAOA/AAAAAAAA4D8CAAAAjAAAAAAAAAAAAAAAu+DjDP///wgAAAAAAAAAAAAAAAAAAAAAAAAAAAAAAAAAAAAAZAAAAAEAAABAAAAAAAAAAAAAAAAAAAAAAAAAAAAAAAAAAAAAAAAAAAAAAAAAAAAAAAAAAAAAAAAAAAAAAAAAAAAAAAAAAAAAAAAAAAAAAAAAAAAAAAAAAAAAAAAAAAAAFAAAADwAAAAAAAAAAAAAAAAAAAkUAAAAAQAAABQAAAAUAAAAFAAAAAEAAAAAAAAAZAAAAGQAAAAAAAAAZAAAAGQAAAAVAAAAYAAAAAAAAAAAAAAADwAAACADAAAAAAAAAAAAAAEAAACgMgAAVgcAAKr4//8BAAAAf39/AAEAAABkAAAAAAAAABQAAABAHwAAAAAAACYAAAAAAAAAwOD//wAAAAAmAAAAZAAAABYAAABMAAAAAAAAAAAAAAAEAAAAAAAAAAEAAACAgIAKAAAAACgAAAAoAAAAZAAAAGQAAAAAAAAAzMzMAAAAAABQAAAAUAAAAGQAAABkAAAAAAAAABcAAAAUAAAAAAAAAAAAAAD/fwAA/38AAAAAAAAJAAAABAAAAOrv9v8eAAAAaAAAAAAAAAAAAAAAAAAAAAAAAAAAAAAAECcAABAnAAAAAAAAAAAAAAAAAAAAAAAAAAAAAAAAAAAAAAAAAAAAABQAAAAAAAAAwMD/AAAAAABkAAAAMgAAAAAAAABkAAAAAAAAAH9/fwAKAAAAIgAAABgAAAAAAAAAAAAAAAAAAAAAAAAAAAAAAAAAAAAkAAAAJAAAAAAAAAAHAAAAAAAAAAAAAAAAAAAAAAAAAAAAAAAAAAAAf39/ACUAAABYAAAAAAAAAAAAAAAAAAAAAAAAAAAAAAAAAAAAAAAAAAAAAAAAAAAAAAAAAAAAAAA/AAAAAAAAAKCGAQAAAAAAAAAAAAAAAAAMAAAAAQAAAAAAAAAAAAAAAAAAAB8AAABUAAAAAAAABQAAAAEAAAAAAAAAAAAAAAAAAAAAAAAAAAAAAAAAAAAAAAAAAAAAAAJ/f38AAAAAA8zMzADAwP8Af39/AAAAAAAAAAAAAAAAAAAAAAAAAAAAIQAAABgAAAAUAAAAwTUAABsnAABARwAAWSkAABAAAAAmAAAACAAAAAAAAAAAAAAA"/>
               </a:ext>
             </a:extLst>
           </p:cNvSpPr>
@@ -1490,7 +1490,7 @@
           <a:lstStyle/>
           <a:p>
             <a:pPr/>
-            <a:fld id="{0DCF66F7-B9E0-9A90-AE77-4FC52839581A}" type="slidenum">
+            <a:fld id="{0C3DBDAF-E1E1-684B-AF85-171EF3CB5942}" type="slidenum">
               <a:t>‹#›</a:t>
             </a:fld>
           </a:p>
@@ -1529,7 +1529,7 @@
             <a:spLocks noGrp="1" noChangeArrowheads="1"/>
             <a:extLst>
               <a:ext uri="smNativeData">
-                <pr:smNativeData xmlns:pr="smNativeData" xmlns="smNativeData" val="SMDATA_15_msZJaRMAAAAlAAAAZAAAAA0AAAAAkAAAAEgAAACQAAAASAAAAAAAAAABAAAAAAAAAAEAAABQAAAAAAAAAAAA4D8AAAAAAADgPwAAAAAAAOA/AAAAAAAA4D8AAAAAAADgPwAAAAAAAOA/AAAAAAAA4D8AAAAAAADgPwAAAAAAAOA/AAAAAAAA4D8CAAAAjAAAAAAAAAAAAAAAu+DjDP///wgAAAAAAAAAAAAAAAAAAAAAAAAAAAAAAAAAAAAAZAAAAAEAAABAAAAAAAAAAAAAAAAAAAAAAAAAAAAAAAAAAAAAAAAAAAAAAAAAAAAAAAAAAAAAAAAAAAAAAAAAAAAAAAAAAAAAAAAAAAAAAAAAAAAAAAAAAAAAAAAAAAAAFAAAADwAAAAAAAAAAAAAAAAAAAkUAAAAAQAAABQAAAAUAAAAFAAAAAEAAAAAAAAAZAAAAGQAAAAAAAAAZAAAAGQAAAAVAAAAYAAAAAAAAAAAAAAADwAAACADAAAAAAAAAAAAAAEAAACgMgAAVgcAAKr4//8BAAAAf39/AAEAAABkAAAAAAAAABQAAABAHwAAAAAAACYAAAAAAAAAwOD//wAAAAAmAAAAZAAAABYAAABMAAAAAAAAAAAAAAAEAAAAAAAAAAEAAACAgIAKAAAAACgAAAAoAAAAZAAAAGQAAAAAAAAAzMzMAAAAAABQAAAAUAAAAGQAAABkAAAAAAAAABcAAAAUAAAAAAAAAAAAAAD/fwAA/38AAAAAAAAJAAAABAAAAPL1+v8eAAAAaAAAAAAAAAAAAAAAAAAAAAAAAAAAAAAAECcAABAnAAAAAAAAAAAAAAAAAAAAAAAAAAAAAAAAAAAAAAAAAAAAABQAAAAAAAAAwMD/AAAAAABkAAAAMgAAAAAAAABkAAAAAAAAAH9/fwAKAAAAIgAAABgAAAAAAAAAAAAAAAAAAAAAAAAAAAAAAAAAAAAkAAAAJAAAAAAAAAAHAAAAAAAAAAAAAAAAAAAAAAAAAAAAAAAAAAAAf39/ACUAAABYAAAAAAAAAAAAAAAAAAAAAAAAAAAAAAAAAAAAAAAAAAAAAAAAAAAAAAAAAAAAAAA/AAAAAAAAAKCGAQAAAAAAAAAAAAAAAAAMAAAAAQAAAAAAAAAAAAAAAAAAAB8AAABUAAAAAAAABQAAAAEAAAAAAAAAAAAAAAAAAAAAAAAAAAAAAAAAAAAAAAAAAAAAAAJ/f38AAAAAA8zMzADAwP8Af39/AAAAAAAAAAAAAAAAAAAAAAAAAAAAIQAAABgAAAAUAAAAwAMAALABAABARwAAuAgAABAAAAAmAAAACAAAAAAAAAAAAAAA"/>
+                <pr:smNativeData xmlns:pr="smNativeData" xmlns="smNativeData" val="SMDATA_15_D/RJaRMAAAAlAAAAZAAAAA0AAAAAkAAAAEgAAACQAAAASAAAAAAAAAABAAAAAAAAAAEAAABQAAAAAAAAAAAA4D8AAAAAAADgPwAAAAAAAOA/AAAAAAAA4D8AAAAAAADgPwAAAAAAAOA/AAAAAAAA4D8AAAAAAADgPwAAAAAAAOA/AAAAAAAA4D8CAAAAjAAAAAAAAAAAAAAAu+DjDP///wgAAAAAAAAAAAAAAAAAAAAAAAAAAAAAAAAAAAAAZAAAAAEAAABAAAAAAAAAAAAAAAAAAAAAAAAAAAAAAAAAAAAAAAAAAAAAAAAAAAAAAAAAAAAAAAAAAAAAAAAAAAAAAAAAAAAAAAAAAAAAAAAAAAAAAAAAAAAAAAAAAAAAFAAAADwAAAAAAAAAAAAAAAAAAAkUAAAAAQAAABQAAAAUAAAAFAAAAAEAAAAAAAAAZAAAAGQAAAAAAAAAZAAAAGQAAAAVAAAAYAAAAAAAAAAAAAAADwAAACADAAAAAAAAAAAAAAEAAACgMgAAVgcAAKr4//8BAAAAf39/AAEAAABkAAAAAAAAABQAAABAHwAAAAAAACYAAAAAAAAAwOD//wAAAAAmAAAAZAAAABYAAABMAAAAAAAAAAAAAAAEAAAAAAAAAAEAAACAgIAKAAAAACgAAAAoAAAAZAAAAGQAAAAAAAAAzMzMAAAAAABQAAAAUAAAAGQAAABkAAAAAAAAABcAAAAUAAAAAAAAAAAAAAD/fwAA/38AAAAAAAAJAAAABAAAAPL1+v8eAAAAaAAAAAAAAAAAAAAAAAAAAAAAAAAAAAAAECcAABAnAAAAAAAAAAAAAAAAAAAAAAAAAAAAAAAAAAAAAAAAAAAAABQAAAAAAAAAwMD/AAAAAABkAAAAMgAAAAAAAABkAAAAAAAAAH9/fwAKAAAAIgAAABgAAAAAAAAAAAAAAAAAAAAAAAAAAAAAAAAAAAAkAAAAJAAAAAAAAAAHAAAAAAAAAAAAAAAAAAAAAAAAAAAAAAAAAAAAf39/ACUAAABYAAAAAAAAAAAAAAAAAAAAAAAAAAAAAAAAAAAAAAAAAAAAAAAAAAAAAAAAAAAAAAA/AAAAAAAAAKCGAQAAAAAAAAAAAAAAAAAMAAAAAQAAAAAAAAAAAAAAAAAAAB8AAABUAAAAAAAABQAAAAEAAAAAAAAAAAAAAAAAAAAAAAAAAAAAAAAAAAAAAAAAAAAAAAJ/f38AAAAAA8zMzADAwP8Af39/AAAAAAAAAAAAAAAAAAAAAAAAAAAAIQAAABgAAAAUAAAAwAMAALABAABARwAAuAgAABAAAAAmAAAACAAAAAAAAAAAAAAA"/>
               </a:ext>
             </a:extLst>
           </p:cNvSpPr>
@@ -1556,7 +1556,7 @@
             <a:spLocks noGrp="1" noChangeArrowheads="1"/>
             <a:extLst>
               <a:ext uri="smNativeData">
-                <pr:smNativeData xmlns:pr="smNativeData" xmlns="smNativeData" val="SMDATA_15_msZJaRMAAAAlAAAAZAAAAA0AAAAAkAAAAEgAAACQAAAASAAAAAAAAAACAAAAAAAAAAEAAABQAAAAAAAAAAAA4D8AAAAAAADgPwAAAAAAAOA/AAAAAAAA4D8AAAAAAADgPwAAAAAAAOA/AAAAAAAA4D8AAAAAAADgPwAAAAAAAOA/AAAAAAAA4D8CAAAAjAAAAAAAAAAAAAAAu+DjDP///wgAAAAAAAAAAAAAAAAAAAAAAAAAAAAAAAAAAAAAZAAAAAEAAABAAAAAAAAAAAAAAAAAAAAAAAAAAAAAAAAAAAAAAAAAAAAAAAAAAAAAAAAAAAAAAAAAAAAAAAAAAAAAAAAAAAAAAAAAAAAAAAAAAAAAAAAAAAAAAAAAAAAAFAAAADwAAAAAAAAAAAAAAAAAAAkUAAAAAQAAABQAAAAUAAAAFAAAAAEAAAAAAAAAZAAAAGQAAAAAAAAAZAAAAGQAAAAVAAAAYAAAAAAAAAAAAAAADwAAACADAAAAAAAAAAAAAAEAAACgMgAAVgcAAKr4//8BAAAAf39/AAEAAABkAAAAAAAAABQAAABAHwAAAAAAACYAAAAAAAAAwOD//wAAAAAmAAAAZAAAABYAAABMAAAAAAAAAAAAAAAEAAAAAAAAAAEAAACAgIAKAAAAACgAAAAoAAAAZAAAAGQAAAAAAAAAzMzMAAAAAABQAAAAUAAAAGQAAABkAAAAAAAAABcAAAAUAAAAAAAAAAAAAAD/fwAA/38AAAAAAAAJAAAABAAAAAAAAAAeAAAAaAAAAAAAAAAAAAAAAAAAAAAAAAAAAAAAECcAABAnAAAAAAAAAAAAAAAAAAAAAAAAAAAAAAAAAAAAAAAAAAAAABQAAAAAAAAAwMD/AAAAAABkAAAAMgAAAAAAAABkAAAAAAAAAH9/fwAKAAAAIgAAABgAAAAAAAAAAAAAAAAAAAAAAAAAAAAAAAAAAAAkAAAAJAAAAAAAAAAHAAAAAAAAAAAAAAAAAAAAAAAAAAAAAAAAAAAAf39/ACUAAABYAAAAAAAAAAAAAAAAAAAAAAAAAAAAAAAAAAAAAAAAAAAAAAAAAAAAAAAAAAAAAAA/AAAAAAAAAKCGAQAAAAAAAAAAAAAAAAAMAAAAAQAAAAAAAAAAAAAAAAAAAB8AAABUAAAAAAAABQAAAAEAAAAAAAAAAAAAAAAAAAAAAAAAAAAAAAAAAAAAAAAAAAAAAAJ/f38AAAAAA8zMzADAwP8Af39/AAAAAAAAAAAAAAAAAAAAAAAAAAAAIQAAABgAAAAUAAAAwAMAAHEJAADjJAAAYQ0AABAAAAAmAAAACAAAAIGQAAAAAAAA"/>
+                <pr:smNativeData xmlns:pr="smNativeData" xmlns="smNativeData" val="SMDATA_15_D/RJaRMAAAAlAAAAZAAAAA0AAAAAkAAAAEgAAACQAAAASAAAAAAAAAACAAAAAAAAAAEAAABQAAAAAAAAAAAA4D8AAAAAAADgPwAAAAAAAOA/AAAAAAAA4D8AAAAAAADgPwAAAAAAAOA/AAAAAAAA4D8AAAAAAADgPwAAAAAAAOA/AAAAAAAA4D8CAAAAjAAAAAAAAAAAAAAAu+DjDP///wgAAAAAAAAAAAAAAAAAAAAAAAAAAAAAAAAAAAAAZAAAAAEAAABAAAAAAAAAAAAAAAAAAAAAAAAAAAAAAAAAAAAAAAAAAAAAAAAAAAAAAAAAAAAAAAAAAAAAAAAAAAAAAAAAAAAAAAAAAAAAAAAAAAAAAAAAAAAAAAAAAAAAFAAAADwAAAAAAAAAAAAAAAAAAAkUAAAAAQAAABQAAAAUAAAAFAAAAAEAAAAAAAAAZAAAAGQAAAAAAAAAZAAAAGQAAAAVAAAAYAAAAAAAAAAAAAAADwAAACADAAAAAAAAAAAAAAEAAACgMgAAVgcAAKr4//8BAAAAf39/AAEAAABkAAAAAAAAABQAAABAHwAAAAAAACYAAAAAAAAAwOD//wAAAAAmAAAAZAAAABYAAABMAAAAAAAAAAAAAAAEAAAAAAAAAAEAAACAgIAKAAAAACgAAAAoAAAAZAAAAGQAAAAAAAAAzMzMAAAAAABQAAAAUAAAAGQAAABkAAAAAAAAABcAAAAUAAAAAAAAAAAAAAD/fwAA/38AAAAAAAAJAAAABAAAAAAAAAAeAAAAaAAAAAAAAAAAAAAAAAAAAAAAAAAAAAAAECcAABAnAAAAAAAAAAAAAAAAAAAAAAAAAAAAAAAAAAAAAAAAAAAAABQAAAAAAAAAwMD/AAAAAABkAAAAMgAAAAAAAABkAAAAAAAAAH9/fwAKAAAAIgAAABgAAAAAAAAAAAAAAAAAAAAAAAAAAAAAAAAAAAAkAAAAJAAAAAAAAAAHAAAAAAAAAAAAAAAAAAAAAAAAAAAAAAAAAAAAf39/ACUAAABYAAAAAAAAAAAAAAAAAAAAAAAAAAAAAAAAAAAAAAAAAAAAAAAAAAAAAAAAAAAAAAA/AAAAAAAAAKCGAQAAAAAAAAAAAAAAAAAMAAAAAQAAAAAAAAAAAAAAAAAAAB8AAABUAAAAAAAABQAAAAEAAAAAAAAAAAAAAAAAAAAAAAAAAAAAAAAAAAAAAAAAAAAAAAJ/f38AAAAAA8zMzADAwP8Af39/AAAAAAAAAAAAAAAAAAAAAAAAAAAAIQAAABgAAAAUAAAAwAMAAHEJAADjJAAAYQ0AABAAAAAmAAAACAAAAIGQAAAAAAAA"/>
               </a:ext>
             </a:extLst>
           </p:cNvSpPr>
@@ -1629,7 +1629,7 @@
             <a:spLocks noGrp="1" noChangeArrowheads="1"/>
             <a:extLst>
               <a:ext uri="smNativeData">
-                <pr:smNativeData xmlns:pr="smNativeData" xmlns="smNativeData" val="SMDATA_15_msZJaRMAAAAlAAAAZAAAAA0AAAAAkAAAAEgAAACQAAAASAAAAAAAAAAAAAAAAAAAAAEAAABQAAAAAAAAAAAA4D8AAAAAAADgPwAAAAAAAOA/AAAAAAAA4D8AAAAAAADgPwAAAAAAAOA/AAAAAAAA4D8AAAAAAADgPwAAAAAAAOA/AAAAAAAA4D8CAAAAjAAAAAAAAAAAAAAAu+DjDP///wgAAAAAAAAAAAAAAAAAAAAAAAAAAAAAAAAAAAAAZAAAAAEAAABAAAAAAAAAAAAAAAAAAAAAAAAAAAAAAAAAAAAAAAAAAAAAAAAAAAAAAAAAAAAAAAAAAAAAAAAAAAAAAAAAAAAAAAAAAAAAAAAAAAAAAAAAAAAAAAAAAAAAFAAAADwAAAAAAAAAAAAAAAAAAAkUAAAAAQAAABQAAAAUAAAAFAAAAAEAAAAAAAAAZAAAAGQAAAAAAAAAZAAAAGQAAAAVAAAAYAAAAAAAAAAAAAAADwAAACADAAAAAAAAAAAAAAEAAACgMgAAVgcAAKr4//8BAAAAf39/AAEAAABkAAAAAAAAABQAAABAHwAAAAAAACYAAAAAAAAAwOD//wAAAAAmAAAAZAAAABYAAABMAAAAAAAAAAAAAAAEAAAAAAAAAAEAAACAgIAKAAAAACgAAAAoAAAAZAAAAGQAAAAAAAAAzMzMAAAAAABQAAAAUAAAAGQAAABkAAAAAAAAABcAAAAUAAAAAAAAAAAAAAD/fwAA/38AAAAAAAAJAAAABAAAAAAAAAAeAAAAaAAAAAAAAAAAAAAAAAAAAAAAAAAAAAAAECcAABAnAAAAAAAAAAAAAAAAAAAAAAAAAAAAAAAAAAAAAAAAAAAAABQAAAAAAAAAwMD/AAAAAABkAAAAMgAAAAAAAABkAAAAAAAAAH9/fwAKAAAAIgAAABgAAAAAAAAAAAAAAAAAAAAAAAAAAAAAAAAAAAAkAAAAJAAAAAAAAAAHAAAAAAAAAAAAAAAAAAAAAAAAAAAAAAAAAAAAf39/ACUAAABYAAAAAAAAAAAAAAAAAAAAAAAAAAAAAAAAAAAAAAAAAAAAAAAAAAAAAAAAAAAAAAA/AAAAAAAAAKCGAQAAAAAAAAAAAAAAAAAMAAAAAQAAAAAAAAAAAAAAAAAAAB8AAABUAAAAAAAABQAAAAEAAAAAAAAAAAAAAAAAAAAAAAAAAAAAAAAAAAAAAAAAAAAAAAJ/f38AAAAAA8zMzADAwP8Af39/AAAAAAAAAAAAAAAAAAAAAAAAAAAAIQAAABgAAAAUAAAAwAMAAGENAADjJAAAsCUAABAAAAAmAAAACAAAAAGAAAAAAAAA"/>
+                <pr:smNativeData xmlns:pr="smNativeData" xmlns="smNativeData" val="SMDATA_15_D/RJaRMAAAAlAAAAZAAAAA0AAAAAkAAAAEgAAACQAAAASAAAAAAAAAAAAAAAAAAAAAEAAABQAAAAAAAAAAAA4D8AAAAAAADgPwAAAAAAAOA/AAAAAAAA4D8AAAAAAADgPwAAAAAAAOA/AAAAAAAA4D8AAAAAAADgPwAAAAAAAOA/AAAAAAAA4D8CAAAAjAAAAAAAAAAAAAAAu+DjDP///wgAAAAAAAAAAAAAAAAAAAAAAAAAAAAAAAAAAAAAZAAAAAEAAABAAAAAAAAAAAAAAAAAAAAAAAAAAAAAAAAAAAAAAAAAAAAAAAAAAAAAAAAAAAAAAAAAAAAAAAAAAAAAAAAAAAAAAAAAAAAAAAAAAAAAAAAAAAAAAAAAAAAAFAAAADwAAAAAAAAAAAAAAAAAAAkUAAAAAQAAABQAAAAUAAAAFAAAAAEAAAAAAAAAZAAAAGQAAAAAAAAAZAAAAGQAAAAVAAAAYAAAAAAAAAAAAAAADwAAACADAAAAAAAAAAAAAAEAAACgMgAAVgcAAKr4//8BAAAAf39/AAEAAABkAAAAAAAAABQAAABAHwAAAAAAACYAAAAAAAAAwOD//wAAAAAmAAAAZAAAABYAAABMAAAAAAAAAAAAAAAEAAAAAAAAAAEAAACAgIAKAAAAACgAAAAoAAAAZAAAAGQAAAAAAAAAzMzMAAAAAABQAAAAUAAAAGQAAABkAAAAAAAAABcAAAAUAAAAAAAAAAAAAAD/fwAA/38AAAAAAAAJAAAABAAAAAAAAAAeAAAAaAAAAAAAAAAAAAAAAAAAAAAAAAAAAAAAECcAABAnAAAAAAAAAAAAAAAAAAAAAAAAAAAAAAAAAAAAAAAAAAAAABQAAAAAAAAAwMD/AAAAAABkAAAAMgAAAAAAAABkAAAAAAAAAH9/fwAKAAAAIgAAABgAAAAAAAAAAAAAAAAAAAAAAAAAAAAAAAAAAAAkAAAAJAAAAAAAAAAHAAAAAAAAAAAAAAAAAAAAAAAAAAAAAAAAAAAAf39/ACUAAABYAAAAAAAAAAAAAAAAAAAAAAAAAAAAAAAAAAAAAAAAAAAAAAAAAAAAAAAAAAAAAAA/AAAAAAAAAKCGAQAAAAAAAAAAAAAAAAAMAAAAAQAAAAAAAAAAAAAAAAAAAB8AAABUAAAAAAAABQAAAAEAAAAAAAAAAAAAAAAAAAAAAAAAAAAAAAAAAAAAAAAAAAAAAAJ/f38AAAAAA8zMzADAwP8Af39/AAAAAAAAAAAAAAAAAAAAAAAAAAAAIQAAABgAAAAUAAAAwAMAAGENAADjJAAAsCUAABAAAAAmAAAACAAAAAGAAAAAAAAA"/>
               </a:ext>
             </a:extLst>
           </p:cNvSpPr>
@@ -1713,7 +1713,7 @@
             <a:spLocks noGrp="1" noChangeArrowheads="1"/>
             <a:extLst>
               <a:ext uri="smNativeData">
-                <pr:smNativeData xmlns:pr="smNativeData" xmlns="smNativeData" val="SMDATA_15_msZJaRMAAAAlAAAAZAAAAA0AAAAAkAAAAEgAAACQAAAASAAAAAAAAAACAAAAAAAAAAEAAABQAAAAAAAAAAAA4D8AAAAAAADgPwAAAAAAAOA/AAAAAAAA4D8AAAAAAADgPwAAAAAAAOA/AAAAAAAA4D8AAAAAAADgPwAAAAAAAOA/AAAAAAAA4D8CAAAAjAAAAAAAAAAAAAAAu+DjDP///wgAAAAAAAAAAAAAAAAAAAAAAAAAAAAAAAAAAAAAZAAAAAEAAABAAAAAAAAAAAAAAAAAAAAAAAAAAAAAAAAAAAAAAAAAAAAAAAAAAAAAAAAAAAAAAAAAAAAAAAAAAAAAAAAAAAAAAAAAAAAAAAAAAAAAAAAAAAAAAAAAAAAAFAAAADwAAAAAAAAAAAAAAAAAAAkUAAAAAQAAABQAAAAUAAAAFAAAAAEAAAAAAAAAZAAAAGQAAAAAAAAAZAAAAGQAAAAVAAAAYAAAAAAAAAAAAAAADwAAACADAAAAAAAAAAAAAAEAAACgMgAAVgcAAKr4//8BAAAAf39/AAEAAABkAAAAAAAAABQAAABAHwAAAAAAACYAAAAAAAAAwOD//wAAAAAmAAAAZAAAABYAAABMAAAAAAAAAAAAAAAEAAAAAAAAAAEAAACAgIAKAAAAACgAAAAoAAAAZAAAAGQAAAAAAAAAzMzMAAAAAABQAAAAUAAAAGQAAABkAAAAAAAAABcAAAAUAAAAAAAAAAAAAAD/fwAA/38AAAAAAAAJAAAABAAAAPL1+v8eAAAAaAAAAAAAAAAAAAAAAAAAAAAAAAAAAAAAECcAABAnAAAAAAAAAAAAAAAAAAAAAAAAAAAAAAAAAAAAAAAAAAAAABQAAAAAAAAAwMD/AAAAAABkAAAAMgAAAAAAAABkAAAAAAAAAH9/fwAKAAAAIgAAABgAAAAAAAAAAAAAAAAAAAAAAAAAAAAAAAAAAAAkAAAAJAAAAAAAAAAHAAAAAAAAAAAAAAAAAAAAAAAAAAAAAAAAAAAAf39/ACUAAABYAAAAAAAAAAAAAAAAAAAAAAAAAAAAAAAAAAAAAAAAAAAAAAAAAAAAAAAAAAAAAAA/AAAAAAAAAKCGAQAAAAAAAAAAAAAAAAAMAAAAAQAAAAAAAAAAAAAAAAAAAB8AAABUAAAAAAAABQAAAAEAAAAAAAAAAAAAAAAAAAAAAAAAAAAAAAAAAAAAAAAAAAAAAAJ/f38AAAAAA8zMzADAwP8Af39/AAAAAAAAAAAAAAAAAAAAAAAAAAAAIQAAABgAAAAUAAAAHSYAAHEJAABARwAAYQ0AABAAAAAmAAAACAAAAIGQAAAAAAAA"/>
+                <pr:smNativeData xmlns:pr="smNativeData" xmlns="smNativeData" val="SMDATA_15_D/RJaRMAAAAlAAAAZAAAAA0AAAAAkAAAAEgAAACQAAAASAAAAAAAAAACAAAAAAAAAAEAAABQAAAAAAAAAAAA4D8AAAAAAADgPwAAAAAAAOA/AAAAAAAA4D8AAAAAAADgPwAAAAAAAOA/AAAAAAAA4D8AAAAAAADgPwAAAAAAAOA/AAAAAAAA4D8CAAAAjAAAAAAAAAAAAAAAu+DjDP///wgAAAAAAAAAAAAAAAAAAAAAAAAAAAAAAAAAAAAAZAAAAAEAAABAAAAAAAAAAAAAAAAAAAAAAAAAAAAAAAAAAAAAAAAAAAAAAAAAAAAAAAAAAAAAAAAAAAAAAAAAAAAAAAAAAAAAAAAAAAAAAAAAAAAAAAAAAAAAAAAAAAAAFAAAADwAAAAAAAAAAAAAAAAAAAkUAAAAAQAAABQAAAAUAAAAFAAAAAEAAAAAAAAAZAAAAGQAAAAAAAAAZAAAAGQAAAAVAAAAYAAAAAAAAAAAAAAADwAAACADAAAAAAAAAAAAAAEAAACgMgAAVgcAAKr4//8BAAAAf39/AAEAAABkAAAAAAAAABQAAABAHwAAAAAAACYAAAAAAAAAwOD//wAAAAAmAAAAZAAAABYAAABMAAAAAAAAAAAAAAAEAAAAAAAAAAEAAACAgIAKAAAAACgAAAAoAAAAZAAAAGQAAAAAAAAAzMzMAAAAAABQAAAAUAAAAGQAAABkAAAAAAAAABcAAAAUAAAAAAAAAAAAAAD/fwAA/38AAAAAAAAJAAAABAAAAPL1+v8eAAAAaAAAAAAAAAAAAAAAAAAAAAAAAAAAAAAAECcAABAnAAAAAAAAAAAAAAAAAAAAAAAAAAAAAAAAAAAAAAAAAAAAABQAAAAAAAAAwMD/AAAAAABkAAAAMgAAAAAAAABkAAAAAAAAAH9/fwAKAAAAIgAAABgAAAAAAAAAAAAAAAAAAAAAAAAAAAAAAAAAAAAkAAAAJAAAAAAAAAAHAAAAAAAAAAAAAAAAAAAAAAAAAAAAAAAAAAAAf39/ACUAAABYAAAAAAAAAAAAAAAAAAAAAAAAAAAAAAAAAAAAAAAAAAAAAAAAAAAAAAAAAAAAAAA/AAAAAAAAAKCGAQAAAAAAAAAAAAAAAAAMAAAAAQAAAAAAAAAAAAAAAAAAAB8AAABUAAAAAAAABQAAAAEAAAAAAAAAAAAAAAAAAAAAAAAAAAAAAAAAAAAAAAAAAAAAAAJ/f38AAAAAA8zMzADAwP8Af39/AAAAAAAAAAAAAAAAAAAAAAAAAAAAIQAAABgAAAAUAAAAHSYAAHEJAABARwAAYQ0AABAAAAAmAAAACAAAAIGQAAAAAAAA"/>
               </a:ext>
             </a:extLst>
           </p:cNvSpPr>
@@ -1786,7 +1786,7 @@
             <a:spLocks noGrp="1" noChangeArrowheads="1"/>
             <a:extLst>
               <a:ext uri="smNativeData">
-                <pr:smNativeData xmlns:pr="smNativeData" xmlns="smNativeData" val="SMDATA_15_msZJaRMAAAAlAAAAZAAAAA0AAAAAkAAAAEgAAACQAAAASAAAAAAAAAAAAAAAAAAAAAEAAABQAAAAAAAAAAAA4D8AAAAAAADgPwAAAAAAAOA/AAAAAAAA4D8AAAAAAADgPwAAAAAAAOA/AAAAAAAA4D8AAAAAAADgPwAAAAAAAOA/AAAAAAAA4D8CAAAAjAAAAAAAAAAAAAAAu+DjDP///wgAAAAAAAAAAAAAAAAAAAAAAAAAAAAAAAAAAAAAZAAAAAEAAABAAAAAAAAAAAAAAAAAAAAAAAAAAAAAAAAAAAAAAAAAAAAAAAAAAAAAAAAAAAAAAAAAAAAAAAAAAAAAAAAAAAAAAAAAAAAAAAAAAAAAAAAAAAAAAAAAAAAAFAAAADwAAAAAAAAAAAAAAAAAAAkUAAAAAQAAABQAAAAUAAAAFAAAAAEAAAAAAAAAZAAAAGQAAAAAAAAAZAAAAGQAAAAVAAAAYAAAAAAAAAAAAAAADwAAACADAAAAAAAAAAAAAAEAAACgMgAAVgcAAKr4//8BAAAAf39/AAEAAABkAAAAAAAAABQAAABAHwAAAAAAACYAAAAAAAAAwOD//wAAAAAmAAAAZAAAABYAAABMAAAAAAAAAAAAAAAEAAAAAAAAAAEAAACAgIAKAAAAACgAAAAoAAAAZAAAAGQAAAAAAAAAzMzMAAAAAABQAAAAUAAAAGQAAABkAAAAAAAAABcAAAAUAAAAAAAAAAAAAAD/fwAA/38AAAAAAAAJAAAABAAAAJ/J8f8eAAAAaAAAAAAAAAAAAAAAAAAAAAAAAAAAAAAAECcAABAnAAAAAAAAAAAAAAAAAAAAAAAAAAAAAAAAAAAAAAAAAAAAABQAAAAAAAAAwMD/AAAAAABkAAAAMgAAAAAAAABkAAAAAAAAAH9/fwAKAAAAIgAAABgAAAAAAAAAAAAAAAAAAAAAAAAAAAAAAAAAAAAkAAAAJAAAAAAAAAAHAAAAAAAAAAAAAAAAAAAAAAAAAAAAAAAAAAAAf39/ACUAAABYAAAAAAAAAAAAAAAAAAAAAAAAAAAAAAAAAAAAAAAAAAAAAAAAAAAAAAAAAAAAAAA/AAAAAAAAAKCGAQAAAAAAAAAAAAAAAAAMAAAAAQAAAAAAAAAAAAAAAAAAAB8AAABUAAAAAAAABQAAAAEAAAAAAAAAAAAAAAAAAAAAAAAAAAAAAAAAAAAAAAAAAAAAAAJ/f38AAAAAA8zMzADAwP8Af39/AAAAAAAAAAAAAAAAAAAAAAAAAAAAIQAAABgAAAAUAAAAHSYAAGENAABARwAAsCUAABAAAAAmAAAACAAAAAGAAAAAAAAA"/>
+                <pr:smNativeData xmlns:pr="smNativeData" xmlns="smNativeData" val="SMDATA_15_D/RJaRMAAAAlAAAAZAAAAA0AAAAAkAAAAEgAAACQAAAASAAAAAAAAAAAAAAAAAAAAAEAAABQAAAAAAAAAAAA4D8AAAAAAADgPwAAAAAAAOA/AAAAAAAA4D8AAAAAAADgPwAAAAAAAOA/AAAAAAAA4D8AAAAAAADgPwAAAAAAAOA/AAAAAAAA4D8CAAAAjAAAAAAAAAAAAAAAu+DjDP///wgAAAAAAAAAAAAAAAAAAAAAAAAAAAAAAAAAAAAAZAAAAAEAAABAAAAAAAAAAAAAAAAAAAAAAAAAAAAAAAAAAAAAAAAAAAAAAAAAAAAAAAAAAAAAAAAAAAAAAAAAAAAAAAAAAAAAAAAAAAAAAAAAAAAAAAAAAAAAAAAAAAAAFAAAADwAAAAAAAAAAAAAAAAAAAkUAAAAAQAAABQAAAAUAAAAFAAAAAEAAAAAAAAAZAAAAGQAAAAAAAAAZAAAAGQAAAAVAAAAYAAAAAAAAAAAAAAADwAAACADAAAAAAAAAAAAAAEAAACgMgAAVgcAAKr4//8BAAAAf39/AAEAAABkAAAAAAAAABQAAABAHwAAAAAAACYAAAAAAAAAwOD//wAAAAAmAAAAZAAAABYAAABMAAAAAAAAAAAAAAAEAAAAAAAAAAEAAACAgIAKAAAAACgAAAAoAAAAZAAAAGQAAAAAAAAAzMzMAAAAAABQAAAAUAAAAGQAAABkAAAAAAAAABcAAAAUAAAAAAAAAAAAAAD/fwAA/38AAAAAAAAJAAAABAAAAJ/J8f8eAAAAaAAAAAAAAAAAAAAAAAAAAAAAAAAAAAAAECcAABAnAAAAAAAAAAAAAAAAAAAAAAAAAAAAAAAAAAAAAAAAAAAAABQAAAAAAAAAwMD/AAAAAABkAAAAMgAAAAAAAABkAAAAAAAAAH9/fwAKAAAAIgAAABgAAAAAAAAAAAAAAAAAAAAAAAAAAAAAAAAAAAAkAAAAJAAAAAAAAAAHAAAAAAAAAAAAAAAAAAAAAAAAAAAAAAAAAAAAf39/ACUAAABYAAAAAAAAAAAAAAAAAAAAAAAAAAAAAAAAAAAAAAAAAAAAAAAAAAAAAAAAAAAAAAA/AAAAAAAAAKCGAQAAAAAAAAAAAAAAAAAMAAAAAQAAAAAAAAAAAAAAAAAAAB8AAABUAAAAAAAABQAAAAEAAAAAAAAAAAAAAAAAAAAAAAAAAAAAAAAAAAAAAAAAAAAAAAJ/f38AAAAAA8zMzADAwP8Af39/AAAAAAAAAAAAAAAAAAAAAAAAAAAAIQAAABgAAAAUAAAAHSYAAGENAABARwAAsCUAABAAAAAmAAAACAAAAAGAAAAAAAAA"/>
               </a:ext>
             </a:extLst>
           </p:cNvSpPr>
@@ -1870,7 +1870,7 @@
             <a:spLocks noGrp="1" noChangeArrowheads="1"/>
             <a:extLst>
               <a:ext uri="smNativeData">
-                <pr:smNativeData xmlns:pr="smNativeData" xmlns="smNativeData" val="SMDATA_15_msZJaRMAAAAlAAAAZAAAAA0AAAAAkAAAAEgAAACQAAAASAAAAAAAAAABAAAAAAAAAAEAAABQAAAAAAAAAAAA4D8AAAAAAADgPwAAAAAAAOA/AAAAAAAA4D8AAAAAAADgPwAAAAAAAOA/AAAAAAAA4D8AAAAAAADgPwAAAAAAAOA/AAAAAAAA4D8CAAAAjAAAAAAAAAAAAAAAu+DjDP///wgAAAAAAAAAAAAAAAAAAAAAAAAAAAAAAAAAAAAAZAAAAAEAAABAAAAAAAAAAAAAAAAAAAAAAAAAAAAAAAAAAAAAAAAAAAAAAAAAAAAAAAAAAAAAAAAAAAAAAAAAAAAAAAAAAAAAAAAAAAAAAAAAAAAAAAAAAAAAAAAAAAAAFAAAADwAAAAAAAAAAAAAAAAAAAkUAAAAAQAAABQAAAAUAAAAFAAAAAEAAAAAAAAAZAAAAGQAAAAAAAAAZAAAAGQAAAAVAAAAYAAAAAAAAAAAAAAADwAAACADAAAAAAAAAAAAAAEAAACgMgAAVgcAAKr4//8BAAAAf39/AAEAAABkAAAAAAAAABQAAABAHwAAAAAAACYAAAAAAAAAwOD//wAAAAAmAAAAZAAAABYAAABMAAAAAAAAAAAAAAAEAAAAAAAAAAEAAACAgIAKAAAAACgAAAAoAAAAZAAAAGQAAAAAAAAAzMzMAAAAAABQAAAAUAAAAGQAAABkAAAAAAAAABcAAAAUAAAAAAAAAAAAAAD/fwAA/38AAAAAAAAJAAAABAAAAOrv9v8eAAAAaAAAAAAAAAAAAAAAAAAAAAAAAAAAAAAAECcAABAnAAAAAAAAAAAAAAAAAAAAAAAAAAAAAAAAAAAAAAAAAAAAABQAAAAAAAAAwMD/AAAAAABkAAAAMgAAAAAAAABkAAAAAAAAAH9/fwAKAAAAIgAAABgAAAAAAAAAAAAAAAAAAAAAAAAAAAAAAAAAAAAkAAAAJAAAAAAAAAAHAAAAAAAAAAAAAAAAAAAAAAAAAAAAAAAAAAAAf39/ACUAAABYAAAAAAAAAAAAAAAAAAAAAAAAAAAAAAAAAAAAAAAAAAAAAAAAAAAAAAAAAAAAAAA/AAAAAAAAAKCGAQAAAAAAAAAAAAAAAAAMAAAAAQAAAAAAAAAAAAAAAAAAAB8AAABUAAAAAAAABQAAAAEAAAAAAAAAAAAAAAAAAAAAAAAAAAAAAAAAAAAAAAAAAAAAAAJ/f38AAAAAA8zMzADAwP8Af39/AAAAAAAAAAAAAAAAAAAAAAAAAAAAIQAAABgAAAAUAAAAwAMAABsnAAA/FQAAWSkAABAAAAAmAAAACAAAAAAAAAAAAAAA"/>
+                <pr:smNativeData xmlns:pr="smNativeData" xmlns="smNativeData" val="SMDATA_15_D/RJaRMAAAAlAAAAZAAAAA0AAAAAkAAAAEgAAACQAAAASAAAAAAAAAABAAAAAAAAAAEAAABQAAAAAAAAAAAA4D8AAAAAAADgPwAAAAAAAOA/AAAAAAAA4D8AAAAAAADgPwAAAAAAAOA/AAAAAAAA4D8AAAAAAADgPwAAAAAAAOA/AAAAAAAA4D8CAAAAjAAAAAAAAAAAAAAAu+DjDP///wgAAAAAAAAAAAAAAAAAAAAAAAAAAAAAAAAAAAAAZAAAAAEAAABAAAAAAAAAAAAAAAAAAAAAAAAAAAAAAAAAAAAAAAAAAAAAAAAAAAAAAAAAAAAAAAAAAAAAAAAAAAAAAAAAAAAAAAAAAAAAAAAAAAAAAAAAAAAAAAAAAAAAFAAAADwAAAAAAAAAAAAAAAAAAAkUAAAAAQAAABQAAAAUAAAAFAAAAAEAAAAAAAAAZAAAAGQAAAAAAAAAZAAAAGQAAAAVAAAAYAAAAAAAAAAAAAAADwAAACADAAAAAAAAAAAAAAEAAACgMgAAVgcAAKr4//8BAAAAf39/AAEAAABkAAAAAAAAABQAAABAHwAAAAAAACYAAAAAAAAAwOD//wAAAAAmAAAAZAAAABYAAABMAAAAAAAAAAAAAAAEAAAAAAAAAAEAAACAgIAKAAAAACgAAAAoAAAAZAAAAGQAAAAAAAAAzMzMAAAAAABQAAAAUAAAAGQAAABkAAAAAAAAABcAAAAUAAAAAAAAAAAAAAD/fwAA/38AAAAAAAAJAAAABAAAAOrv9v8eAAAAaAAAAAAAAAAAAAAAAAAAAAAAAAAAAAAAECcAABAnAAAAAAAAAAAAAAAAAAAAAAAAAAAAAAAAAAAAAAAAAAAAABQAAAAAAAAAwMD/AAAAAABkAAAAMgAAAAAAAABkAAAAAAAAAH9/fwAKAAAAIgAAABgAAAAAAAAAAAAAAAAAAAAAAAAAAAAAAAAAAAAkAAAAJAAAAAAAAAAHAAAAAAAAAAAAAAAAAAAAAAAAAAAAAAAAAAAAf39/ACUAAABYAAAAAAAAAAAAAAAAAAAAAAAAAAAAAAAAAAAAAAAAAAAAAAAAAAAAAAAAAAAAAAA/AAAAAAAAAKCGAQAAAAAAAAAAAAAAAAAMAAAAAQAAAAAAAAAAAAAAAAAAAB8AAABUAAAAAAAABQAAAAEAAAAAAAAAAAAAAAAAAAAAAAAAAAAAAAAAAAAAAAAAAAAAAAJ/f38AAAAAA8zMzADAwP8Af39/AAAAAAAAAAAAAAAAAAAAAAAAAAAAIQAAABgAAAAUAAAAwAMAABsnAAA/FQAAWSkAABAAAAAmAAAACAAAAAAAAAAAAAAA"/>
               </a:ext>
             </a:extLst>
           </p:cNvSpPr>
@@ -1884,7 +1884,7 @@
           <a:lstStyle/>
           <a:p>
             <a:pPr/>
-            <a:fld id="{0DCF022A-64E0-9AF4-AE77-92A14C3958C7}" type="datetime1">
+            <a:fld id="{0C3DEA5F-11E1-681C-AF85-E749A4CB59B2}" type="datetime1">
               <a:t>12/16/2025</a:t>
             </a:fld>
           </a:p>
@@ -1897,7 +1897,7 @@
             <a:spLocks noGrp="1" noChangeArrowheads="1"/>
             <a:extLst>
               <a:ext uri="smNativeData">
-                <pr:smNativeData xmlns:pr="smNativeData" xmlns="smNativeData" val="SMDATA_15_msZJaRMAAAAlAAAAZAAAAA0AAAAAkAAAAEgAAACQAAAASAAAAAAAAAABAAAAAAAAAAEAAABQAAAAAAAAAAAA4D8AAAAAAADgPwAAAAAAAOA/AAAAAAAA4D8AAAAAAADgPwAAAAAAAOA/AAAAAAAA4D8AAAAAAADgPwAAAAAAAOA/AAAAAAAA4D8CAAAAjAAAAAAAAAAAAAAAu+DjDP///wgAAAAAAAAAAAAAAAAAAAAAAAAAAAAAAAAAAAAAZAAAAAEAAABAAAAAAAAAAAAAAAAAAAAAAAAAAAAAAAAAAAAAAAAAAAAAAAAAAAAAAAAAAAAAAAAAAAAAAAAAAAAAAAAAAAAAAAAAAAAAAAAAAAAAAAAAAAAAAAAAAAAAFAAAADwAAAAAAAAAAAAAAAAAAAkUAAAAAQAAABQAAAAUAAAAFAAAAAEAAAAAAAAAZAAAAGQAAAAAAAAAZAAAAGQAAAAVAAAAYAAAAAAAAAAAAAAADwAAACADAAAAAAAAAAAAAAEAAACgMgAAVgcAAKr4//8BAAAAf39/AAEAAABkAAAAAAAAABQAAABAHwAAAAAAACYAAAAAAAAAwOD//wAAAAAmAAAAZAAAABYAAABMAAAAAAAAAAAAAAAEAAAAAAAAAAEAAACAgIAKAAAAACgAAAAoAAAAZAAAAGQAAAAAAAAAzMzMAAAAAABQAAAAUAAAAGQAAABkAAAAAAAAABcAAAAUAAAAAAAAAAAAAAD/fwAA/38AAAAAAAAJAAAABAAAAAAAAAAeAAAAaAAAAAAAAAAAAAAAAAAAAAAAAAAAAAAAECcAABAnAAAAAAAAAAAAAAAAAAAAAAAAAAAAAAAAAAAAAAAAAAAAABQAAAAAAAAAwMD/AAAAAABkAAAAMgAAAAAAAABkAAAAAAAAAH9/fwAKAAAAIgAAABgAAAAAAAAAAAAAAAAAAAAAAAAAAAAAAAAAAAAkAAAAJAAAAAAAAAAHAAAAAAAAAAAAAAAAAAAAAAAAAAAAAAAAAAAAf39/ACUAAABYAAAAAAAAAAAAAAAAAAAAAAAAAAAAAAAAAAAAAAAAAAAAAAAAAAAAAAAAAAAAAAA/AAAAAAAAAKCGAQAAAAAAAAAAAAAAAAAMAAAAAQAAAAAAAAAAAAAAAAAAAB8AAABUAAAAAAAABQAAAAEAAAAAAAAAAAAAAAAAAAAAAAAAAAAAAAAAAAAAAAAAAAAAAAJ/f38AAAAAA8zMzADAwP8Af39/AAAAAAAAAAAAAAAAAAAAAAAAAAAAIQAAABgAAAAUAAAAoRkAABsnAABfMQAAWSkAABAAAAAmAAAACAAAAAAAAAAAAAAA"/>
+                <pr:smNativeData xmlns:pr="smNativeData" xmlns="smNativeData" val="SMDATA_15_D/RJaRMAAAAlAAAAZAAAAA0AAAAAkAAAAEgAAACQAAAASAAAAAAAAAABAAAAAAAAAAEAAABQAAAAAAAAAAAA4D8AAAAAAADgPwAAAAAAAOA/AAAAAAAA4D8AAAAAAADgPwAAAAAAAOA/AAAAAAAA4D8AAAAAAADgPwAAAAAAAOA/AAAAAAAA4D8CAAAAjAAAAAAAAAAAAAAAu+DjDP///wgAAAAAAAAAAAAAAAAAAAAAAAAAAAAAAAAAAAAAZAAAAAEAAABAAAAAAAAAAAAAAAAAAAAAAAAAAAAAAAAAAAAAAAAAAAAAAAAAAAAAAAAAAAAAAAAAAAAAAAAAAAAAAAAAAAAAAAAAAAAAAAAAAAAAAAAAAAAAAAAAAAAAFAAAADwAAAAAAAAAAAAAAAAAAAkUAAAAAQAAABQAAAAUAAAAFAAAAAEAAAAAAAAAZAAAAGQAAAAAAAAAZAAAAGQAAAAVAAAAYAAAAAAAAAAAAAAADwAAACADAAAAAAAAAAAAAAEAAACgMgAAVgcAAKr4//8BAAAAf39/AAEAAABkAAAAAAAAABQAAABAHwAAAAAAACYAAAAAAAAAwOD//wAAAAAmAAAAZAAAABYAAABMAAAAAAAAAAAAAAAEAAAAAAAAAAEAAACAgIAKAAAAACgAAAAoAAAAZAAAAGQAAAAAAAAAzMzMAAAAAABQAAAAUAAAAGQAAABkAAAAAAAAABcAAAAUAAAAAAAAAAAAAAD/fwAA/38AAAAAAAAJAAAABAAAAAAAAAAeAAAAaAAAAAAAAAAAAAAAAAAAAAAAAAAAAAAAECcAABAnAAAAAAAAAAAAAAAAAAAAAAAAAAAAAAAAAAAAAAAAAAAAABQAAAAAAAAAwMD/AAAAAABkAAAAMgAAAAAAAABkAAAAAAAAAH9/fwAKAAAAIgAAABgAAAAAAAAAAAAAAAAAAAAAAAAAAAAAAAAAAAAkAAAAJAAAAAAAAAAHAAAAAAAAAAAAAAAAAAAAAAAAAAAAAAAAAAAAf39/ACUAAABYAAAAAAAAAAAAAAAAAAAAAAAAAAAAAAAAAAAAAAAAAAAAAAAAAAAAAAAAAAAAAAA/AAAAAAAAAKCGAQAAAAAAAAAAAAAAAAAMAAAAAQAAAAAAAAAAAAAAAAAAAB8AAABUAAAAAAAABQAAAAEAAAAAAAAAAAAAAAAAAAAAAAAAAAAAAAAAAAAAAAAAAAAAAAJ/f38AAAAAA8zMzADAwP8Af39/AAAAAAAAAAAAAAAAAAAAAAAAAAAAIQAAABgAAAAUAAAAoRkAABsnAABfMQAAWSkAABAAAAAmAAAACAAAAAAAAAAAAAAA"/>
               </a:ext>
             </a:extLst>
           </p:cNvSpPr>
@@ -1921,7 +1921,7 @@
             <a:spLocks noGrp="1" noChangeArrowheads="1"/>
             <a:extLst>
               <a:ext uri="smNativeData">
-                <pr:smNativeData xmlns:pr="smNativeData" xmlns="smNativeData" val="SMDATA_15_msZJaRMAAAAlAAAAZAAAAA0AAAAAkAAAAEgAAACQAAAASAAAAAAAAAABAAAAAAAAAAEAAABQAAAAAAAAAAAA4D8AAAAAAADgPwAAAAAAAOA/AAAAAAAA4D8AAAAAAADgPwAAAAAAAOA/AAAAAAAA4D8AAAAAAADgPwAAAAAAAOA/AAAAAAAA4D8CAAAAjAAAAAAAAAAAAAAAu+DjDP///wgAAAAAAAAAAAAAAAAAAAAAAAAAAAAAAAAAAAAAZAAAAAEAAABAAAAAAAAAAAAAAAAAAAAAAAAAAAAAAAAAAAAAAAAAAAAAAAAAAAAAAAAAAAAAAAAAAAAAAAAAAAAAAAAAAAAAAAAAAAAAAAAAAAAAAAAAAAAAAAAAAAAAFAAAADwAAAAAAAAAAAAAAAAAAAkUAAAAAQAAABQAAAAUAAAAFAAAAAEAAAAAAAAAZAAAAGQAAAAAAAAAZAAAAGQAAAAVAAAAYAAAAAAAAAAAAAAADwAAACADAAAAAAAAAAAAAAEAAACgMgAAVgcAAKr4//8BAAAAf39/AAEAAABkAAAAAAAAABQAAABAHwAAAAAAACYAAAAAAAAAwOD//wAAAAAmAAAAZAAAABYAAABMAAAAAAAAAAAAAAAEAAAAAAAAAAEAAACAgIAKAAAAACgAAAAoAAAAZAAAAGQAAAAAAAAAzMzMAAAAAABQAAAAUAAAAGQAAABkAAAAAAAAABcAAAAUAAAAAAAAAAAAAAD/fwAA/38AAAAAAAAJAAAABAAAAADurgIeAAAAaAAAAAAAAAAAAAAAAAAAAAAAAAAAAAAAECcAABAnAAAAAAAAAAAAAAAAAAAAAAAAAAAAAAAAAAAAAAAAAAAAABQAAAAAAAAAwMD/AAAAAABkAAAAMgAAAAAAAABkAAAAAAAAAH9/fwAKAAAAIgAAABgAAAAAAAAAAAAAAAAAAAAAAAAAAAAAAAAAAAAkAAAAJAAAAAAAAAAHAAAAAAAAAAAAAAAAAAAAAAAAAAAAAAAAAAAAf39/ACUAAABYAAAAAAAAAAAAAAAAAAAAAAAAAAAAAAAAAAAAAAAAAAAAAAAAAAAAAAAAAAAAAAA/AAAAAAAAAKCGAQAAAAAAAAAAAAAAAAAMAAAAAQAAAAAAAAAAAAAAAAAAAB8AAABUAAAAAAAABQAAAAEAAAAAAAAAAAAAAAAAAAAAAAAAAAAAAAAAAAAAAAAAAAAAAAJ/f38AAAAAA8zMzADAwP8Af39/AAAAAAAAAAAAAAAAAAAAAAAAAAAAIQAAABgAAAAUAAAAwTUAABsnAABARwAAWSkAABAAAAAmAAAACAAAAAAAAAAAAAAA"/>
+                <pr:smNativeData xmlns:pr="smNativeData" xmlns="smNativeData" val="SMDATA_15_D/RJaRMAAAAlAAAAZAAAAA0AAAAAkAAAAEgAAACQAAAASAAAAAAAAAABAAAAAAAAAAEAAABQAAAAAAAAAAAA4D8AAAAAAADgPwAAAAAAAOA/AAAAAAAA4D8AAAAAAADgPwAAAAAAAOA/AAAAAAAA4D8AAAAAAADgPwAAAAAAAOA/AAAAAAAA4D8CAAAAjAAAAAAAAAAAAAAAu+DjDP///wgAAAAAAAAAAAAAAAAAAAAAAAAAAAAAAAAAAAAAZAAAAAEAAABAAAAAAAAAAAAAAAAAAAAAAAAAAAAAAAAAAAAAAAAAAAAAAAAAAAAAAAAAAAAAAAAAAAAAAAAAAAAAAAAAAAAAAAAAAAAAAAAAAAAAAAAAAAAAAAAAAAAAFAAAADwAAAAAAAAAAAAAAAAAAAkUAAAAAQAAABQAAAAUAAAAFAAAAAEAAAAAAAAAZAAAAGQAAAAAAAAAZAAAAGQAAAAVAAAAYAAAAAAAAAAAAAAADwAAACADAAAAAAAAAAAAAAEAAACgMgAAVgcAAKr4//8BAAAAf39/AAEAAABkAAAAAAAAABQAAABAHwAAAAAAACYAAAAAAAAAwOD//wAAAAAmAAAAZAAAABYAAABMAAAAAAAAAAAAAAAEAAAAAAAAAAEAAACAgIAKAAAAACgAAAAoAAAAZAAAAGQAAAAAAAAAzMzMAAAAAABQAAAAUAAAAGQAAABkAAAAAAAAABcAAAAUAAAAAAAAAAAAAAD/fwAA/38AAAAAAAAJAAAABAAAAADurgIeAAAAaAAAAAAAAAAAAAAAAAAAAAAAAAAAAAAAECcAABAnAAAAAAAAAAAAAAAAAAAAAAAAAAAAAAAAAAAAAAAAAAAAABQAAAAAAAAAwMD/AAAAAABkAAAAMgAAAAAAAABkAAAAAAAAAH9/fwAKAAAAIgAAABgAAAAAAAAAAAAAAAAAAAAAAAAAAAAAAAAAAAAkAAAAJAAAAAAAAAAHAAAAAAAAAAAAAAAAAAAAAAAAAAAAAAAAAAAAf39/ACUAAABYAAAAAAAAAAAAAAAAAAAAAAAAAAAAAAAAAAAAAAAAAAAAAAAAAAAAAAAAAAAAAAA/AAAAAAAAAKCGAQAAAAAAAAAAAAAAAAAMAAAAAQAAAAAAAAAAAAAAAAAAAB8AAABUAAAAAAAABQAAAAEAAAAAAAAAAAAAAAAAAAAAAAAAAAAAAAAAAAAAAAAAAAAAAAJ/f38AAAAAA8zMzADAwP8Af39/AAAAAAAAAAAAAAAAAAAAAAAAAAAAIQAAABgAAAAUAAAAwTUAABsnAABARwAAWSkAABAAAAAmAAAACAAAAAAAAAAAAAAA"/>
               </a:ext>
             </a:extLst>
           </p:cNvSpPr>
@@ -1935,7 +1935,7 @@
           <a:lstStyle/>
           <a:p>
             <a:pPr/>
-            <a:fld id="{0DCF2D8A-C4E0-9ADB-AE77-328E63395867}" type="slidenum">
+            <a:fld id="{0C3DD302-4CE1-6825-AF85-BA709DCB59EF}" type="slidenum">
               <a:t>‹#›</a:t>
             </a:fld>
           </a:p>
@@ -1974,7 +1974,7 @@
             <a:spLocks noGrp="1" noChangeArrowheads="1"/>
             <a:extLst>
               <a:ext uri="smNativeData">
-                <pr:smNativeData xmlns:pr="smNativeData" xmlns="smNativeData" val="SMDATA_15_msZJaRMAAAAlAAAAZAAAAA0AAAAAkAAAAEgAAACQAAAASAAAAAAAAAABAAAAAAAAAAEAAABQAAAAAAAAAAAA4D8AAAAAAADgPwAAAAAAAOA/AAAAAAAA4D8AAAAAAADgPwAAAAAAAOA/AAAAAAAA4D8AAAAAAADgPwAAAAAAAOA/AAAAAAAA4D8CAAAAjAAAAAAAAAAAAAAAu+DjDP///wgAAAAAAAAAAAAAAAAAAAAAAAAAAAAAAAAAAAAAZAAAAAEAAABAAAAAAAAAAAAAAAAAAAAAAAAAAAAAAAAAAAAAAAAAAAAAAAAAAAAAAAAAAAAAAAAAAAAAAAAAAAAAAAAAAAAAAAAAAAAAAAAAAAAAAAAAAAAAAAAAAAAAFAAAADwAAAAAAAAAAAAAAAAAAAkUAAAAAQAAABQAAAAUAAAAFAAAAAEAAAAAAAAAZAAAAGQAAAAAAAAAZAAAAGQAAAAVAAAAYAAAAAAAAAAAAAAADwAAACADAAAAAAAAAAAAAAEAAACgMgAAVgcAAKr4//8BAAAAf39/AAEAAABkAAAAAAAAABQAAABAHwAAAAAAACYAAAAAAAAAwOD//wAAAAAmAAAAZAAAABYAAABMAAAAAAAAAAAAAAAEAAAAAAAAAAEAAACAgIAKAAAAACgAAAAoAAAAZAAAAGQAAAAAAAAAzMzMAAAAAABQAAAAUAAAAGQAAABkAAAAAAAAABcAAAAUAAAAAAAAAAAAAAD/fwAA/38AAAAAAAAJAAAABAAAAPL1+v8eAAAAaAAAAAAAAAAAAAAAAAAAAAAAAAAAAAAAECcAABAnAAAAAAAAAAAAAAAAAAAAAAAAAAAAAAAAAAAAAAAAAAAAABQAAAAAAAAAwMD/AAAAAABkAAAAMgAAAAAAAABkAAAAAAAAAH9/fwAKAAAAIgAAABgAAAAAAAAAAAAAAAAAAAAAAAAAAAAAAAAAAAAkAAAAJAAAAAAAAAAHAAAAAAAAAAAAAAAAAAAAAAAAAAAAAAAAAAAAf39/ACUAAABYAAAAAAAAAAAAAAAAAAAAAAAAAAAAAAAAAAAAAAAAAAAAAAAAAAAAAAAAAAAAAAA/AAAAAAAAAKCGAQAAAAAAAAAAAAAAAAAMAAAAAQAAAAAAAAAAAAAAAAAAAB8AAABUAAAAAAAABQAAAAEAAAAAAAAAAAAAAAAAAAAAAAAAAAAAAAAAAAAAAAAAAAAAAAJ/f38AAAAAA8zMzADAwP8Af39/AAAAAAAAAAAAAAAAAAAAAAAAAAAAIQAAABgAAAAUAAAAwAMAALABAABARwAAuAgAABAAAAAmAAAACAAAAAAAAAAAAAAA"/>
+                <pr:smNativeData xmlns:pr="smNativeData" xmlns="smNativeData" val="SMDATA_15_D/RJaRMAAAAlAAAAZAAAAA0AAAAAkAAAAEgAAACQAAAASAAAAAAAAAABAAAAAAAAAAEAAABQAAAAAAAAAAAA4D8AAAAAAADgPwAAAAAAAOA/AAAAAAAA4D8AAAAAAADgPwAAAAAAAOA/AAAAAAAA4D8AAAAAAADgPwAAAAAAAOA/AAAAAAAA4D8CAAAAjAAAAAAAAAAAAAAAu+DjDP///wgAAAAAAAAAAAAAAAAAAAAAAAAAAAAAAAAAAAAAZAAAAAEAAABAAAAAAAAAAAAAAAAAAAAAAAAAAAAAAAAAAAAAAAAAAAAAAAAAAAAAAAAAAAAAAAAAAAAAAAAAAAAAAAAAAAAAAAAAAAAAAAAAAAAAAAAAAAAAAAAAAAAAFAAAADwAAAAAAAAAAAAAAAAAAAkUAAAAAQAAABQAAAAUAAAAFAAAAAEAAAAAAAAAZAAAAGQAAAAAAAAAZAAAAGQAAAAVAAAAYAAAAAAAAAAAAAAADwAAACADAAAAAAAAAAAAAAEAAACgMgAAVgcAAKr4//8BAAAAf39/AAEAAABkAAAAAAAAABQAAABAHwAAAAAAACYAAAAAAAAAwOD//wAAAAAmAAAAZAAAABYAAABMAAAAAAAAAAAAAAAEAAAAAAAAAAEAAACAgIAKAAAAACgAAAAoAAAAZAAAAGQAAAAAAAAAzMzMAAAAAABQAAAAUAAAAGQAAABkAAAAAAAAABcAAAAUAAAAAAAAAAAAAAD/fwAA/38AAAAAAAAJAAAABAAAAPL1+v8eAAAAaAAAAAAAAAAAAAAAAAAAAAAAAAAAAAAAECcAABAnAAAAAAAAAAAAAAAAAAAAAAAAAAAAAAAAAAAAAAAAAAAAABQAAAAAAAAAwMD/AAAAAABkAAAAMgAAAAAAAABkAAAAAAAAAH9/fwAKAAAAIgAAABgAAAAAAAAAAAAAAAAAAAAAAAAAAAAAAAAAAAAkAAAAJAAAAAAAAAAHAAAAAAAAAAAAAAAAAAAAAAAAAAAAAAAAAAAAf39/ACUAAABYAAAAAAAAAAAAAAAAAAAAAAAAAAAAAAAAAAAAAAAAAAAAAAAAAAAAAAAAAAAAAAA/AAAAAAAAAKCGAQAAAAAAAAAAAAAAAAAMAAAAAQAAAAAAAAAAAAAAAAAAAB8AAABUAAAAAAAABQAAAAEAAAAAAAAAAAAAAAAAAAAAAAAAAAAAAAAAAAAAAAAAAAAAAAJ/f38AAAAAA8zMzADAwP8Af39/AAAAAAAAAAAAAAAAAAAAAAAAAAAAIQAAABgAAAAUAAAAwAMAALABAABARwAAuAgAABAAAAAmAAAACAAAAAAAAAAAAAAA"/>
               </a:ext>
             </a:extLst>
           </p:cNvSpPr>
@@ -2001,7 +2001,7 @@
             <a:spLocks noGrp="1" noChangeArrowheads="1"/>
             <a:extLst>
               <a:ext uri="smNativeData">
-                <pr:smNativeData xmlns:pr="smNativeData" xmlns="smNativeData" val="SMDATA_15_msZJaRMAAAAlAAAAZAAAAA0AAAAAkAAAAEgAAACQAAAASAAAAAAAAAABAAAAAAAAAAEAAABQAAAAAAAAAAAA4D8AAAAAAADgPwAAAAAAAOA/AAAAAAAA4D8AAAAAAADgPwAAAAAAAOA/AAAAAAAA4D8AAAAAAADgPwAAAAAAAOA/AAAAAAAA4D8CAAAAjAAAAAAAAAAAAAAAu+DjDP///wgAAAAAAAAAAAAAAAAAAAAAAAAAAAAAAAAAAAAAZAAAAAEAAABAAAAAAAAAAAAAAAAAAAAAAAAAAAAAAAAAAAAAAAAAAAAAAAAAAAAAAAAAAAAAAAAAAAAAAAAAAAAAAAAAAAAAAAAAAAAAAAAAAAAAAAAAAAAAAAAAAAAAFAAAADwAAAAAAAAAAAAAAAAAAAkUAAAAAQAAABQAAAAUAAAAFAAAAAEAAAAAAAAAZAAAAGQAAAAAAAAAZAAAAGQAAAAVAAAAYAAAAAAAAAAAAAAADwAAACADAAAAAAAAAAAAAAEAAACgMgAAVgcAAKr4//8BAAAAf39/AAEAAABkAAAAAAAAABQAAABAHwAAAAAAACYAAAAAAAAAwOD//wAAAAAmAAAAZAAAABYAAABMAAAAAAAAAAAAAAAEAAAAAAAAAAEAAACAgIAKAAAAACgAAAAoAAAAZAAAAGQAAAAAAAAAzMzMAAAAAABQAAAAUAAAAGQAAABkAAAAAAAAABcAAAAUAAAAAAAAAAAAAAD/fwAA/38AAAAAAAAJAAAABAAAAJLC8BQeAAAAaAAAAAAAAAAAAAAAAAAAAAAAAAAAAAAAECcAABAnAAAAAAAAAAAAAAAAAAAAAAAAAAAAAAAAAAAAAAAAAAAAABQAAAAAAAAAwMD/AAAAAABkAAAAMgAAAAAAAABkAAAAAAAAAH9/fwAKAAAAIgAAABgAAAAAAAAAAAAAAAAAAAAAAAAAAAAAAAAAAAAkAAAAJAAAAAAAAAAHAAAAAAAAAAAAAAAAAAAAAAAAAAAAAAAAAAAAf39/ACUAAABYAAAAAAAAAAAAAAAAAAAAAAAAAAAAAAAAAAAAAAAAAAAAAAAAAAAAAAAAAAAAAAA/AAAAAAAAAKCGAQAAAAAAAAAAAAAAAAAMAAAAAQAAAAAAAAAAAAAAAAAAAB8AAABUAAAAAAAABQAAAAEAAAAAAAAAAAAAAAAAAAAAAAAAAAAAAAAAAAAAAAAAAAAAAAJ/f38AAAAAA8zMzADAwP8Af39/AAAAAAAAAAAAAAAAAAAAAAAAAAAAIQAAABgAAAAUAAAAwAMAABsnAAA/FQAAWSkAABAAAAAmAAAACAAAAAAAAAAAAAAA"/>
+                <pr:smNativeData xmlns:pr="smNativeData" xmlns="smNativeData" val="SMDATA_15_D/RJaRMAAAAlAAAAZAAAAA0AAAAAkAAAAEgAAACQAAAASAAAAAAAAAABAAAAAAAAAAEAAABQAAAAAAAAAAAA4D8AAAAAAADgPwAAAAAAAOA/AAAAAAAA4D8AAAAAAADgPwAAAAAAAOA/AAAAAAAA4D8AAAAAAADgPwAAAAAAAOA/AAAAAAAA4D8CAAAAjAAAAAAAAAAAAAAAu+DjDP///wgAAAAAAAAAAAAAAAAAAAAAAAAAAAAAAAAAAAAAZAAAAAEAAABAAAAAAAAAAAAAAAAAAAAAAAAAAAAAAAAAAAAAAAAAAAAAAAAAAAAAAAAAAAAAAAAAAAAAAAAAAAAAAAAAAAAAAAAAAAAAAAAAAAAAAAAAAAAAAAAAAAAAFAAAADwAAAAAAAAAAAAAAAAAAAkUAAAAAQAAABQAAAAUAAAAFAAAAAEAAAAAAAAAZAAAAGQAAAAAAAAAZAAAAGQAAAAVAAAAYAAAAAAAAAAAAAAADwAAACADAAAAAAAAAAAAAAEAAACgMgAAVgcAAKr4//8BAAAAf39/AAEAAABkAAAAAAAAABQAAABAHwAAAAAAACYAAAAAAAAAwOD//wAAAAAmAAAAZAAAABYAAABMAAAAAAAAAAAAAAAEAAAAAAAAAAEAAACAgIAKAAAAACgAAAAoAAAAZAAAAGQAAAAAAAAAzMzMAAAAAABQAAAAUAAAAGQAAABkAAAAAAAAABcAAAAUAAAAAAAAAAAAAAD/fwAA/38AAAAAAAAJAAAABAAAAJLC8BQeAAAAaAAAAAAAAAAAAAAAAAAAAAAAAAAAAAAAECcAABAnAAAAAAAAAAAAAAAAAAAAAAAAAAAAAAAAAAAAAAAAAAAAABQAAAAAAAAAwMD/AAAAAABkAAAAMgAAAAAAAABkAAAAAAAAAH9/fwAKAAAAIgAAABgAAAAAAAAAAAAAAAAAAAAAAAAAAAAAAAAAAAAkAAAAJAAAAAAAAAAHAAAAAAAAAAAAAAAAAAAAAAAAAAAAAAAAAAAAf39/ACUAAABYAAAAAAAAAAAAAAAAAAAAAAAAAAAAAAAAAAAAAAAAAAAAAAAAAAAAAAAAAAAAAAA/AAAAAAAAAKCGAQAAAAAAAAAAAAAAAAAMAAAAAQAAAAAAAAAAAAAAAAAAAB8AAABUAAAAAAAABQAAAAEAAAAAAAAAAAAAAAAAAAAAAAAAAAAAAAAAAAAAAAAAAAAAAAJ/f38AAAAAA8zMzADAwP8Af39/AAAAAAAAAAAAAAAAAAAAAAAAAAAAIQAAABgAAAAUAAAAwAMAABsnAAA/FQAAWSkAABAAAAAmAAAACAAAAAAAAAAAAAAA"/>
               </a:ext>
             </a:extLst>
           </p:cNvSpPr>
@@ -2015,7 +2015,7 @@
           <a:lstStyle/>
           <a:p>
             <a:pPr/>
-            <a:fld id="{0DCF05C3-8DE0-9AF3-AE77-7BA64B39582E}" type="datetime1">
+            <a:fld id="{0C3DB687-C9E1-6840-AF85-3F15F8CB596A}" type="datetime1">
               <a:t>12/16/2025</a:t>
             </a:fld>
           </a:p>
@@ -2028,7 +2028,7 @@
             <a:spLocks noGrp="1" noChangeArrowheads="1"/>
             <a:extLst>
               <a:ext uri="smNativeData">
-                <pr:smNativeData xmlns:pr="smNativeData" xmlns="smNativeData" val="SMDATA_15_msZJaRMAAAAlAAAAZAAAAA0AAAAAkAAAAEgAAACQAAAASAAAAAAAAAABAAAAAAAAAAEAAABQAAAAAAAAAAAA4D8AAAAAAADgPwAAAAAAAOA/AAAAAAAA4D8AAAAAAADgPwAAAAAAAOA/AAAAAAAA4D8AAAAAAADgPwAAAAAAAOA/AAAAAAAA4D8CAAAAjAAAAAAAAAAAAAAAu+DjDP///wgAAAAAAAAAAAAAAAAAAAAAAAAAAAAAAAAAAAAAZAAAAAEAAABAAAAAAAAAAAAAAAAAAAAAAAAAAAAAAAAAAAAAAAAAAAAAAAAAAAAAAAAAAAAAAAAAAAAAAAAAAAAAAAAAAAAAAAAAAAAAAAAAAAAAAAAAAAAAAAAAAAAAFAAAADwAAAAAAAAAAAAAAAAAAAkUAAAAAQAAABQAAAAUAAAAFAAAAAEAAAAAAAAAZAAAAGQAAAAAAAAAZAAAAGQAAAAVAAAAYAAAAAAAAAAAAAAADwAAACADAAAAAAAAAAAAAAEAAACgMgAAVgcAAKr4//8BAAAAf39/AAEAAABkAAAAAAAAABQAAABAHwAAAAAAACYAAAAAAAAAwOD//wAAAAAmAAAAZAAAABYAAABMAAAAAAAAAAAAAAAEAAAAAAAAAAEAAACAgIAKAAAAACgAAAAoAAAAZAAAAGQAAAAAAAAAzMzMAAAAAABQAAAAUAAAAGQAAABkAAAAAAAAABcAAAAUAAAAAAAAAAAAAAD/fwAA/38AAAAAAAAJAAAABAAAAJ/J8f8eAAAAaAAAAAAAAAAAAAAAAAAAAAAAAAAAAAAAECcAABAnAAAAAAAAAAAAAAAAAAAAAAAAAAAAAAAAAAAAAAAAAAAAABQAAAAAAAAAwMD/AAAAAABkAAAAMgAAAAAAAABkAAAAAAAAAH9/fwAKAAAAIgAAABgAAAAAAAAAAAAAAAAAAAAAAAAAAAAAAAAAAAAkAAAAJAAAAAAAAAAHAAAAAAAAAAAAAAAAAAAAAAAAAAAAAAAAAAAAf39/ACUAAABYAAAAAAAAAAAAAAAAAAAAAAAAAAAAAAAAAAAAAAAAAAAAAAAAAAAAAAAAAAAAAAA/AAAAAAAAAKCGAQAAAAAAAAAAAAAAAAAMAAAAAQAAAAAAAAAAAAAAAAAAAB8AAABUAAAAAAAABQAAAAEAAAAAAAAAAAAAAAAAAAAAAAAAAAAAAAAAAAAAAAAAAAAAAAJ/f38AAAAAA8zMzADAwP8Af39/AAAAAAAAAAAAAAAAAAAAAAAAAAAAIQAAABgAAAAUAAAAoRkAABsnAABfMQAAWSkAABAAAAAmAAAACAAAAAAAAAAAAAAA"/>
+                <pr:smNativeData xmlns:pr="smNativeData" xmlns="smNativeData" val="SMDATA_15_D/RJaRMAAAAlAAAAZAAAAA0AAAAAkAAAAEgAAACQAAAASAAAAAAAAAABAAAAAAAAAAEAAABQAAAAAAAAAAAA4D8AAAAAAADgPwAAAAAAAOA/AAAAAAAA4D8AAAAAAADgPwAAAAAAAOA/AAAAAAAA4D8AAAAAAADgPwAAAAAAAOA/AAAAAAAA4D8CAAAAjAAAAAAAAAAAAAAAu+DjDP///wgAAAAAAAAAAAAAAAAAAAAAAAAAAAAAAAAAAAAAZAAAAAEAAABAAAAAAAAAAAAAAAAAAAAAAAAAAAAAAAAAAAAAAAAAAAAAAAAAAAAAAAAAAAAAAAAAAAAAAAAAAAAAAAAAAAAAAAAAAAAAAAAAAAAAAAAAAAAAAAAAAAAAFAAAADwAAAAAAAAAAAAAAAAAAAkUAAAAAQAAABQAAAAUAAAAFAAAAAEAAAAAAAAAZAAAAGQAAAAAAAAAZAAAAGQAAAAVAAAAYAAAAAAAAAAAAAAADwAAACADAAAAAAAAAAAAAAEAAACgMgAAVgcAAKr4//8BAAAAf39/AAEAAABkAAAAAAAAABQAAABAHwAAAAAAACYAAAAAAAAAwOD//wAAAAAmAAAAZAAAABYAAABMAAAAAAAAAAAAAAAEAAAAAAAAAAEAAACAgIAKAAAAACgAAAAoAAAAZAAAAGQAAAAAAAAAzMzMAAAAAABQAAAAUAAAAGQAAABkAAAAAAAAABcAAAAUAAAAAAAAAAAAAAD/fwAA/38AAAAAAAAJAAAABAAAAJ/J8f8eAAAAaAAAAAAAAAAAAAAAAAAAAAAAAAAAAAAAECcAABAnAAAAAAAAAAAAAAAAAAAAAAAAAAAAAAAAAAAAAAAAAAAAABQAAAAAAAAAwMD/AAAAAABkAAAAMgAAAAAAAABkAAAAAAAAAH9/fwAKAAAAIgAAABgAAAAAAAAAAAAAAAAAAAAAAAAAAAAAAAAAAAAkAAAAJAAAAAAAAAAHAAAAAAAAAAAAAAAAAAAAAAAAAAAAAAAAAAAAf39/ACUAAABYAAAAAAAAAAAAAAAAAAAAAAAAAAAAAAAAAAAAAAAAAAAAAAAAAAAAAAAAAAAAAAA/AAAAAAAAAKCGAQAAAAAAAAAAAAAAAAAMAAAAAQAAAAAAAAAAAAAAAAAAAB8AAABUAAAAAAAABQAAAAEAAAAAAAAAAAAAAAAAAAAAAAAAAAAAAAAAAAAAAAAAAAAAAAJ/f38AAAAAA8zMzADAwP8Af39/AAAAAAAAAAAAAAAAAAAAAAAAAAAAIQAAABgAAAAUAAAAoRkAABsnAABfMQAAWSkAABAAAAAmAAAACAAAAAAAAAAAAAAA"/>
               </a:ext>
             </a:extLst>
           </p:cNvSpPr>
@@ -2052,7 +2052,7 @@
             <a:spLocks noGrp="1" noChangeArrowheads="1"/>
             <a:extLst>
               <a:ext uri="smNativeData">
-                <pr:smNativeData xmlns:pr="smNativeData" xmlns="smNativeData" val="SMDATA_15_msZJaRMAAAAlAAAAZAAAAA0AAAAAkAAAAEgAAACQAAAASAAAAAAAAAABAAAAAAAAAAEAAABQAAAAAAAAAAAA4D8AAAAAAADgPwAAAAAAAOA/AAAAAAAA4D8AAAAAAADgPwAAAAAAAOA/AAAAAAAA4D8AAAAAAADgPwAAAAAAAOA/AAAAAAAA4D8CAAAAjAAAAAAAAAAAAAAAu+DjDP///wgAAAAAAAAAAAAAAAAAAAAAAAAAAAAAAAAAAAAAZAAAAAEAAABAAAAAAAAAAAAAAAAAAAAAAAAAAAAAAAAAAAAAAAAAAAAAAAAAAAAAAAAAAAAAAAAAAAAAAAAAAAAAAAAAAAAAAAAAAAAAAAAAAAAAAAAAAAAAAAAAAAAAFAAAADwAAAAAAAAAAAAAAAAAAAkUAAAAAQAAABQAAAAUAAAAFAAAAAEAAAAAAAAAZAAAAGQAAAAAAAAAZAAAAGQAAAAVAAAAYAAAAAAAAAAAAAAADwAAACADAAAAAAAAAAAAAAEAAACgMgAAVgcAAKr4//8BAAAAf39/AAEAAABkAAAAAAAAABQAAABAHwAAAAAAACYAAAAAAAAAwOD//wAAAAAmAAAAZAAAABYAAABMAAAAAAAAAAAAAAAEAAAAAAAAAAEAAACAgIAKAAAAACgAAAAoAAAAZAAAAGQAAAAAAAAAzMzMAAAAAABQAAAAUAAAAGQAAABkAAAAAAAAABcAAAAUAAAAAAAAAAAAAAD/fwAA/38AAAAAAAAJAAAABAAAAAAAAAAeAAAAaAAAAAAAAAAAAAAAAAAAAAAAAAAAAAAAECcAABAnAAAAAAAAAAAAAAAAAAAAAAAAAAAAAAAAAAAAAAAAAAAAABQAAAAAAAAAwMD/AAAAAABkAAAAMgAAAAAAAABkAAAAAAAAAH9/fwAKAAAAIgAAABgAAAAAAAAAAAAAAAAAAAAAAAAAAAAAAAAAAAAkAAAAJAAAAAAAAAAHAAAAAAAAAAAAAAAAAAAAAAAAAAAAAAAAAAAAf39/ACUAAABYAAAAAAAAAAAAAAAAAAAAAAAAAAAAAAAAAAAAAAAAAAAAAAAAAAAAAAAAAAAAAAA/AAAAAAAAAKCGAQAAAAAAAAAAAAAAAAAMAAAAAQAAAAAAAAAAAAAAAAAAAB8AAABUAAAAAAAABQAAAAEAAAAAAAAAAAAAAAAAAAAAAAAAAAAAAAAAAAAAAAAAAAAAAAJ/f38AAAAAA8zMzADAwP8Af39/AAAAAAAAAAAAAAAAAAAAAAAAAAAAIQAAABgAAAAUAAAAwTUAABsnAABARwAAWSkAABAAAAAmAAAACAAAAAAAAAAAAAAA"/>
+                <pr:smNativeData xmlns:pr="smNativeData" xmlns="smNativeData" val="SMDATA_15_D/RJaRMAAAAlAAAAZAAAAA0AAAAAkAAAAEgAAACQAAAASAAAAAAAAAABAAAAAAAAAAEAAABQAAAAAAAAAAAA4D8AAAAAAADgPwAAAAAAAOA/AAAAAAAA4D8AAAAAAADgPwAAAAAAAOA/AAAAAAAA4D8AAAAAAADgPwAAAAAAAOA/AAAAAAAA4D8CAAAAjAAAAAAAAAAAAAAAu+DjDP///wgAAAAAAAAAAAAAAAAAAAAAAAAAAAAAAAAAAAAAZAAAAAEAAABAAAAAAAAAAAAAAAAAAAAAAAAAAAAAAAAAAAAAAAAAAAAAAAAAAAAAAAAAAAAAAAAAAAAAAAAAAAAAAAAAAAAAAAAAAAAAAAAAAAAAAAAAAAAAAAAAAAAAFAAAADwAAAAAAAAAAAAAAAAAAAkUAAAAAQAAABQAAAAUAAAAFAAAAAEAAAAAAAAAZAAAAGQAAAAAAAAAZAAAAGQAAAAVAAAAYAAAAAAAAAAAAAAADwAAACADAAAAAAAAAAAAAAEAAACgMgAAVgcAAKr4//8BAAAAf39/AAEAAABkAAAAAAAAABQAAABAHwAAAAAAACYAAAAAAAAAwOD//wAAAAAmAAAAZAAAABYAAABMAAAAAAAAAAAAAAAEAAAAAAAAAAEAAACAgIAKAAAAACgAAAAoAAAAZAAAAGQAAAAAAAAAzMzMAAAAAABQAAAAUAAAAGQAAABkAAAAAAAAABcAAAAUAAAAAAAAAAAAAAD/fwAA/38AAAAAAAAJAAAABAAAAAAAAAAeAAAAaAAAAAAAAAAAAAAAAAAAAAAAAAAAAAAAECcAABAnAAAAAAAAAAAAAAAAAAAAAAAAAAAAAAAAAAAAAAAAAAAAABQAAAAAAAAAwMD/AAAAAABkAAAAMgAAAAAAAABkAAAAAAAAAH9/fwAKAAAAIgAAABgAAAAAAAAAAAAAAAAAAAAAAAAAAAAAAAAAAAAkAAAAJAAAAAAAAAAHAAAAAAAAAAAAAAAAAAAAAAAAAAAAAAAAAAAAf39/ACUAAABYAAAAAAAAAAAAAAAAAAAAAAAAAAAAAAAAAAAAAAAAAAAAAAAAAAAAAAAAAAAAAAA/AAAAAAAAAKCGAQAAAAAAAAAAAAAAAAAMAAAAAQAAAAAAAAAAAAAAAAAAAB8AAABUAAAAAAAABQAAAAEAAAAAAAAAAAAAAAAAAAAAAAAAAAAAAAAAAAAAAAAAAAAAAAJ/f38AAAAAA8zMzADAwP8Af39/AAAAAAAAAAAAAAAAAAAAAAAAAAAAIQAAABgAAAAUAAAAwTUAABsnAABARwAAWSkAABAAAAAmAAAACAAAAAAAAAAAAAAA"/>
               </a:ext>
             </a:extLst>
           </p:cNvSpPr>
@@ -2066,7 +2066,7 @@
           <a:lstStyle/>
           <a:p>
             <a:pPr/>
-            <a:fld id="{0DCF76CB-85E0-9A80-AE77-73D538395826}" type="slidenum">
+            <a:fld id="{0C3D8280-CEE1-6874-AF85-3821CCCB596D}" type="slidenum">
               <a:t>‹#›</a:t>
             </a:fld>
           </a:p>
@@ -2105,7 +2105,7 @@
             <a:spLocks noGrp="1" noChangeArrowheads="1"/>
             <a:extLst>
               <a:ext uri="smNativeData">
-                <pr:smNativeData xmlns:pr="smNativeData" xmlns="smNativeData" val="SMDATA_15_msZJaRMAAAAlAAAAZAAAAA0AAAAAkAAAAEgAAACQAAAASAAAAAAAAAABAAAAAAAAAAEAAABQAAAAAAAAAAAA4D8AAAAAAADgPwAAAAAAAOA/AAAAAAAA4D8AAAAAAADgPwAAAAAAAOA/AAAAAAAA4D8AAAAAAADgPwAAAAAAAOA/AAAAAAAA4D8CAAAAjAAAAAAAAAAAAAAAu+DjDP///wgAAAAAAAAAAAAAAAAAAAAAAAAAAAAAAAAAAAAAZAAAAAEAAABAAAAAAAAAAAAAAAAAAAAAAAAAAAAAAAAAAAAAAAAAAAAAAAAAAAAAAAAAAAAAAAAAAAAAAAAAAAAAAAAAAAAAAAAAAAAAAAAAAAAAAAAAAAAAAAAAAAAAFAAAADwAAAAAAAAAAAAAAAAAAAkUAAAAAQAAABQAAAAUAAAAFAAAAAEAAAAAAAAAZAAAAGQAAAAAAAAAZAAAAGQAAAAVAAAAYAAAAAAAAAAAAAAADwAAACADAAAAAAAAAAAAAAEAAACgMgAAVgcAAKr4//8BAAAAf39/AAEAAABkAAAAAAAAABQAAABAHwAAAAAAACYAAAAAAAAAwOD//wAAAAAmAAAAZAAAABYAAABMAAAAAAAAAAAAAAAEAAAAAAAAAAEAAACAgIAKAAAAACgAAAAoAAAAZAAAAGQAAAAAAAAAzMzMAAAAAABQAAAAUAAAAGQAAABkAAAAAAAAABcAAAAUAAAAAAAAAAAAAAD/fwAA/38AAAAAAAAJAAAABAAAAPL1+v8eAAAAaAAAAAAAAAAAAAAAAAAAAAAAAAAAAAAAECcAABAnAAAAAAAAAAAAAAAAAAAAAAAAAAAAAAAAAAAAAAAAAAAAABQAAAAAAAAAwMD/AAAAAABkAAAAMgAAAAAAAABkAAAAAAAAAH9/fwAKAAAAIgAAABgAAAAAAAAAAAAAAAAAAAAAAAAAAAAAAAAAAAAkAAAAJAAAAAAAAAAHAAAAAAAAAAAAAAAAAAAAAAAAAAAAAAAAAAAAf39/ACUAAABYAAAAAAAAAAAAAAAAAAAAAAAAAAAAAAAAAAAAAAAAAAAAAAAAAAAAAAAAAAAAAAA/AAAAAAAAAKCGAQAAAAAAAAAAAAAAAAAMAAAAAQAAAAAAAAAAAAAAAAAAAB8AAABUAAAAAAAABQAAAAEAAAAAAAAAAAAAAAAAAAAAAAAAAAAAAAAAAAAAAAAAAAAAAAJ/f38AAAAAA8zMzADAwP8Af39/AAAAAAAAAAAAAAAAAAAAAAAAAAAAIQAAABgAAAAUAAAAwAMAABsnAAA/FQAAWSkAABAAAAAmAAAACAAAAAAAAAAAAAAA"/>
+                <pr:smNativeData xmlns:pr="smNativeData" xmlns="smNativeData" val="SMDATA_15_D/RJaRMAAAAlAAAAZAAAAA0AAAAAkAAAAEgAAACQAAAASAAAAAAAAAABAAAAAAAAAAEAAABQAAAAAAAAAAAA4D8AAAAAAADgPwAAAAAAAOA/AAAAAAAA4D8AAAAAAADgPwAAAAAAAOA/AAAAAAAA4D8AAAAAAADgPwAAAAAAAOA/AAAAAAAA4D8CAAAAjAAAAAAAAAAAAAAAu+DjDP///wgAAAAAAAAAAAAAAAAAAAAAAAAAAAAAAAAAAAAAZAAAAAEAAABAAAAAAAAAAAAAAAAAAAAAAAAAAAAAAAAAAAAAAAAAAAAAAAAAAAAAAAAAAAAAAAAAAAAAAAAAAAAAAAAAAAAAAAAAAAAAAAAAAAAAAAAAAAAAAAAAAAAAFAAAADwAAAAAAAAAAAAAAAAAAAkUAAAAAQAAABQAAAAUAAAAFAAAAAEAAAAAAAAAZAAAAGQAAAAAAAAAZAAAAGQAAAAVAAAAYAAAAAAAAAAAAAAADwAAACADAAAAAAAAAAAAAAEAAACgMgAAVgcAAKr4//8BAAAAf39/AAEAAABkAAAAAAAAABQAAABAHwAAAAAAACYAAAAAAAAAwOD//wAAAAAmAAAAZAAAABYAAABMAAAAAAAAAAAAAAAEAAAAAAAAAAEAAACAgIAKAAAAACgAAAAoAAAAZAAAAGQAAAAAAAAAzMzMAAAAAABQAAAAUAAAAGQAAABkAAAAAAAAABcAAAAUAAAAAAAAAAAAAAD/fwAA/38AAAAAAAAJAAAABAAAAPL1+v8eAAAAaAAAAAAAAAAAAAAAAAAAAAAAAAAAAAAAECcAABAnAAAAAAAAAAAAAAAAAAAAAAAAAAAAAAAAAAAAAAAAAAAAABQAAAAAAAAAwMD/AAAAAABkAAAAMgAAAAAAAABkAAAAAAAAAH9/fwAKAAAAIgAAABgAAAAAAAAAAAAAAAAAAAAAAAAAAAAAAAAAAAAkAAAAJAAAAAAAAAAHAAAAAAAAAAAAAAAAAAAAAAAAAAAAAAAAAAAAf39/ACUAAABYAAAAAAAAAAAAAAAAAAAAAAAAAAAAAAAAAAAAAAAAAAAAAAAAAAAAAAAAAAAAAAA/AAAAAAAAAKCGAQAAAAAAAAAAAAAAAAAMAAAAAQAAAAAAAAAAAAAAAAAAAB8AAABUAAAAAAAABQAAAAEAAAAAAAAAAAAAAAAAAAAAAAAAAAAAAAAAAAAAAAAAAAAAAAJ/f38AAAAAA8zMzADAwP8Af39/AAAAAAAAAAAAAAAAAAAAAAAAAAAAIQAAABgAAAAUAAAAwAMAABsnAAA/FQAAWSkAABAAAAAmAAAACAAAAAAAAAAAAAAA"/>
               </a:ext>
             </a:extLst>
           </p:cNvSpPr>
@@ -2119,7 +2119,7 @@
           <a:lstStyle/>
           <a:p>
             <a:pPr/>
-            <a:fld id="{0DCF6CBB-F5E0-9A9A-AE77-03CF22395856}" type="datetime1">
+            <a:fld id="{0C3D98E0-AEE1-686E-AF85-583BD6CB590D}" type="datetime1">
               <a:t>12/16/2025</a:t>
             </a:fld>
           </a:p>
@@ -2132,7 +2132,7 @@
             <a:spLocks noGrp="1" noChangeArrowheads="1"/>
             <a:extLst>
               <a:ext uri="smNativeData">
-                <pr:smNativeData xmlns:pr="smNativeData" xmlns="smNativeData" val="SMDATA_15_msZJaRMAAAAlAAAAZAAAAA0AAAAAkAAAAEgAAACQAAAASAAAAAAAAAABAAAAAAAAAAEAAABQAAAAAAAAAAAA4D8AAAAAAADgPwAAAAAAAOA/AAAAAAAA4D8AAAAAAADgPwAAAAAAAOA/AAAAAAAA4D8AAAAAAADgPwAAAAAAAOA/AAAAAAAA4D8CAAAAjAAAAAAAAAAAAAAAu+DjDP///wgAAAAAAAAAAAAAAAAAAAAAAAAAAAAAAAAAAAAAZAAAAAEAAABAAAAAAAAAAAAAAAAAAAAAAAAAAAAAAAAAAAAAAAAAAAAAAAAAAAAAAAAAAAAAAAAAAAAAAAAAAAAAAAAAAAAAAAAAAAAAAAAAAAAAAAAAAAAAAAAAAAAAFAAAADwAAAAAAAAAAAAAAAAAAAkUAAAAAQAAABQAAAAUAAAAFAAAAAEAAAAAAAAAZAAAAGQAAAAAAAAAZAAAAGQAAAAVAAAAYAAAAAAAAAAAAAAADwAAACADAAAAAAAAAAAAAAEAAACgMgAAVgcAAKr4//8BAAAAf39/AAEAAABkAAAAAAAAABQAAABAHwAAAAAAACYAAAAAAAAAwOD//wAAAAAmAAAAZAAAABYAAABMAAAAAAAAAAAAAAAEAAAAAAAAAAEAAACAgIAKAAAAACgAAAAoAAAAZAAAAGQAAAAAAAAAzMzMAAAAAABQAAAAUAAAAGQAAABkAAAAAAAAABcAAAAUAAAAAAAAAAAAAAD/fwAA/38AAAAAAAAJAAAABAAAAAAAAAAeAAAAaAAAAAAAAAAAAAAAAAAAAAAAAAAAAAAAECcAABAnAAAAAAAAAAAAAAAAAAAAAAAAAAAAAAAAAAAAAAAAAAAAABQAAAAAAAAAwMD/AAAAAABkAAAAMgAAAAAAAABkAAAAAAAAAH9/fwAKAAAAIgAAABgAAAAAAAAAAAAAAAAAAAAAAAAAAAAAAAAAAAAkAAAAJAAAAAAAAAAHAAAAAAAAAAAAAAAAAAAAAAAAAAAAAAAAAAAAf39/ACUAAABYAAAAAAAAAAAAAAAAAAAAAAAAAAAAAAAAAAAAAAAAAAAAAAAAAAAAAAAAAAAAAAA/AAAAAAAAAKCGAQAAAAAAAAAAAAAAAAAMAAAAAQAAAAAAAAAAAAAAAAAAAB8AAABUAAAAAAAABQAAAAEAAAAAAAAAAAAAAAAAAAAAAAAAAAAAAAAAAAAAAAAAAAAAAAJ/f38AAAAAA8zMzADAwP8Af39/AAAAAAAAAAAAAAAAAAAAAAAAAAAAIQAAABgAAAAUAAAAoRkAABsnAABfMQAAWSkAABAAAAAmAAAACAAAAAAAAAAAAAAA"/>
+                <pr:smNativeData xmlns:pr="smNativeData" xmlns="smNativeData" val="SMDATA_15_D/RJaRMAAAAlAAAAZAAAAA0AAAAAkAAAAEgAAACQAAAASAAAAAAAAAABAAAAAAAAAAEAAABQAAAAAAAAAAAA4D8AAAAAAADgPwAAAAAAAOA/AAAAAAAA4D8AAAAAAADgPwAAAAAAAOA/AAAAAAAA4D8AAAAAAADgPwAAAAAAAOA/AAAAAAAA4D8CAAAAjAAAAAAAAAAAAAAAu+DjDP///wgAAAAAAAAAAAAAAAAAAAAAAAAAAAAAAAAAAAAAZAAAAAEAAABAAAAAAAAAAAAAAAAAAAAAAAAAAAAAAAAAAAAAAAAAAAAAAAAAAAAAAAAAAAAAAAAAAAAAAAAAAAAAAAAAAAAAAAAAAAAAAAAAAAAAAAAAAAAAAAAAAAAAFAAAADwAAAAAAAAAAAAAAAAAAAkUAAAAAQAAABQAAAAUAAAAFAAAAAEAAAAAAAAAZAAAAGQAAAAAAAAAZAAAAGQAAAAVAAAAYAAAAAAAAAAAAAAADwAAACADAAAAAAAAAAAAAAEAAACgMgAAVgcAAKr4//8BAAAAf39/AAEAAABkAAAAAAAAABQAAABAHwAAAAAAACYAAAAAAAAAwOD//wAAAAAmAAAAZAAAABYAAABMAAAAAAAAAAAAAAAEAAAAAAAAAAEAAACAgIAKAAAAACgAAAAoAAAAZAAAAGQAAAAAAAAAzMzMAAAAAABQAAAAUAAAAGQAAABkAAAAAAAAABcAAAAUAAAAAAAAAAAAAAD/fwAA/38AAAAAAAAJAAAABAAAAAAAAAAeAAAAaAAAAAAAAAAAAAAAAAAAAAAAAAAAAAAAECcAABAnAAAAAAAAAAAAAAAAAAAAAAAAAAAAAAAAAAAAAAAAAAAAABQAAAAAAAAAwMD/AAAAAABkAAAAMgAAAAAAAABkAAAAAAAAAH9/fwAKAAAAIgAAABgAAAAAAAAAAAAAAAAAAAAAAAAAAAAAAAAAAAAkAAAAJAAAAAAAAAAHAAAAAAAAAAAAAAAAAAAAAAAAAAAAAAAAAAAAf39/ACUAAABYAAAAAAAAAAAAAAAAAAAAAAAAAAAAAAAAAAAAAAAAAAAAAAAAAAAAAAAAAAAAAAA/AAAAAAAAAKCGAQAAAAAAAAAAAAAAAAAMAAAAAQAAAAAAAAAAAAAAAAAAAB8AAABUAAAAAAAABQAAAAEAAAAAAAAAAAAAAAAAAAAAAAAAAAAAAAAAAAAAAAAAAAAAAAJ/f38AAAAAA8zMzADAwP8Af39/AAAAAAAAAAAAAAAAAAAAAAAAAAAAIQAAABgAAAAUAAAAoRkAABsnAABfMQAAWSkAABAAAAAmAAAACAAAAAAAAAAAAAAA"/>
               </a:ext>
             </a:extLst>
           </p:cNvSpPr>
@@ -2156,7 +2156,7 @@
             <a:spLocks noGrp="1" noChangeArrowheads="1"/>
             <a:extLst>
               <a:ext uri="smNativeData">
-                <pr:smNativeData xmlns:pr="smNativeData" xmlns="smNativeData" val="SMDATA_15_msZJaRMAAAAlAAAAZAAAAA0AAAAAkAAAAEgAAACQAAAASAAAAAAAAAABAAAAAAAAAAEAAABQAAAAAAAAAAAA4D8AAAAAAADgPwAAAAAAAOA/AAAAAAAA4D8AAAAAAADgPwAAAAAAAOA/AAAAAAAA4D8AAAAAAADgPwAAAAAAAOA/AAAAAAAA4D8CAAAAjAAAAAAAAAAAAAAAu+DjDP///wgAAAAAAAAAAAAAAAAAAAAAAAAAAAAAAAAAAAAAZAAAAAEAAABAAAAAAAAAAAAAAAAAAAAAAAAAAAAAAAAAAAAAAAAAAAAAAAAAAAAAAAAAAAAAAAAAAAAAAAAAAAAAAAAAAAAAAAAAAAAAAAAAAAAAAAAAAAAAAAAAAAAAFAAAADwAAAAAAAAAAAAAAAAAAAkUAAAAAQAAABQAAAAUAAAAFAAAAAEAAAAAAAAAZAAAAGQAAAAAAAAAZAAAAGQAAAAVAAAAYAAAAAAAAAAAAAAADwAAACADAAAAAAAAAAAAAAEAAACgMgAAVgcAAKr4//8BAAAAf39/AAEAAABkAAAAAAAAABQAAABAHwAAAAAAACYAAAAAAAAAwOD//wAAAAAmAAAAZAAAABYAAABMAAAAAAAAAAAAAAAEAAAAAAAAAAEAAACAgIAKAAAAACgAAAAoAAAAZAAAAGQAAAAAAAAAzMzMAAAAAABQAAAAUAAAAGQAAABkAAAAAAAAABcAAAAUAAAAAAAAAAAAAAD/fwAA/38AAAAAAAAJAAAABAAAAAAAAAAeAAAAaAAAAAAAAAAAAAAAAAAAAAAAAAAAAAAAECcAABAnAAAAAAAAAAAAAAAAAAAAAAAAAAAAAAAAAAAAAAAAAAAAABQAAAAAAAAAwMD/AAAAAABkAAAAMgAAAAAAAABkAAAAAAAAAH9/fwAKAAAAIgAAABgAAAAAAAAAAAAAAAAAAAAAAAAAAAAAAAAAAAAkAAAAJAAAAAAAAAAHAAAAAAAAAAAAAAAAAAAAAAAAAAAAAAAAAAAAf39/ACUAAABYAAAAAAAAAAAAAAAAAAAAAAAAAAAAAAAAAAAAAAAAAAAAAAAAAAAAAAAAAAAAAAA/AAAAAAAAAKCGAQAAAAAAAAAAAAAAAAAMAAAAAQAAAAAAAAAAAAAAAAAAAB8AAABUAAAAAAAABQAAAAEAAAAAAAAAAAAAAAAAAAAAAAAAAAAAAAAAAAAAAAAAAAAAAAJ/f38AAAAAA8zMzADAwP8Af39/AAAAAAAAAAAAAAAAAAAAAAAAAAAAIQAAABgAAAAUAAAAwTUAABsnAABARwAAWSkAABAAAAAmAAAACAAAAAAAAAAAAAAA"/>
+                <pr:smNativeData xmlns:pr="smNativeData" xmlns="smNativeData" val="SMDATA_15_D/RJaRMAAAAlAAAAZAAAAA0AAAAAkAAAAEgAAACQAAAASAAAAAAAAAABAAAAAAAAAAEAAABQAAAAAAAAAAAA4D8AAAAAAADgPwAAAAAAAOA/AAAAAAAA4D8AAAAAAADgPwAAAAAAAOA/AAAAAAAA4D8AAAAAAADgPwAAAAAAAOA/AAAAAAAA4D8CAAAAjAAAAAAAAAAAAAAAu+DjDP///wgAAAAAAAAAAAAAAAAAAAAAAAAAAAAAAAAAAAAAZAAAAAEAAABAAAAAAAAAAAAAAAAAAAAAAAAAAAAAAAAAAAAAAAAAAAAAAAAAAAAAAAAAAAAAAAAAAAAAAAAAAAAAAAAAAAAAAAAAAAAAAAAAAAAAAAAAAAAAAAAAAAAAFAAAADwAAAAAAAAAAAAAAAAAAAkUAAAAAQAAABQAAAAUAAAAFAAAAAEAAAAAAAAAZAAAAGQAAAAAAAAAZAAAAGQAAAAVAAAAYAAAAAAAAAAAAAAADwAAACADAAAAAAAAAAAAAAEAAACgMgAAVgcAAKr4//8BAAAAf39/AAEAAABkAAAAAAAAABQAAABAHwAAAAAAACYAAAAAAAAAwOD//wAAAAAmAAAAZAAAABYAAABMAAAAAAAAAAAAAAAEAAAAAAAAAAEAAACAgIAKAAAAACgAAAAoAAAAZAAAAGQAAAAAAAAAzMzMAAAAAABQAAAAUAAAAGQAAABkAAAAAAAAABcAAAAUAAAAAAAAAAAAAAD/fwAA/38AAAAAAAAJAAAABAAAAAAAAAAeAAAAaAAAAAAAAAAAAAAAAAAAAAAAAAAAAAAAECcAABAnAAAAAAAAAAAAAAAAAAAAAAAAAAAAAAAAAAAAAAAAAAAAABQAAAAAAAAAwMD/AAAAAABkAAAAMgAAAAAAAABkAAAAAAAAAH9/fwAKAAAAIgAAABgAAAAAAAAAAAAAAAAAAAAAAAAAAAAAAAAAAAAkAAAAJAAAAAAAAAAHAAAAAAAAAAAAAAAAAAAAAAAAAAAAAAAAAAAAf39/ACUAAABYAAAAAAAAAAAAAAAAAAAAAAAAAAAAAAAAAAAAAAAAAAAAAAAAAAAAAAAAAAAAAAA/AAAAAAAAAKCGAQAAAAAAAAAAAAAAAAAMAAAAAQAAAAAAAAAAAAAAAAAAAB8AAABUAAAAAAAABQAAAAEAAAAAAAAAAAAAAAAAAAAAAAAAAAAAAAAAAAAAAAAAAAAAAAJ/f38AAAAAA8zMzADAwP8Af39/AAAAAAAAAAAAAAAAAAAAAAAAAAAAIQAAABgAAAAUAAAAwTUAABsnAABARwAAWSkAABAAAAAmAAAACAAAAAAAAAAAAAAA"/>
               </a:ext>
             </a:extLst>
           </p:cNvSpPr>
@@ -2170,7 +2170,7 @@
           <a:lstStyle/>
           <a:p>
             <a:pPr/>
-            <a:fld id="{0DCF6EBF-F1E0-9A98-AE77-07CD20395852}" type="slidenum">
+            <a:fld id="{0C3DF72D-63E1-6801-AF85-9554B9CB59C0}" type="slidenum">
               <a:t>‹#›</a:t>
             </a:fld>
           </a:p>
@@ -2209,7 +2209,7 @@
             <a:spLocks noGrp="1" noChangeArrowheads="1"/>
             <a:extLst>
               <a:ext uri="smNativeData">
-                <pr:smNativeData xmlns:pr="smNativeData" xmlns="smNativeData" val="SMDATA_15_msZJaRMAAAAlAAAAZAAAAA0AAAAAkAAAAEgAAACQAAAASAAAAAAAAAACAAAAAAAAAAEAAABQAAAAAAAAAAAA4D8AAAAAAADgPwAAAAAAAOA/AAAAAAAA4D8AAAAAAADgPwAAAAAAAOA/AAAAAAAA4D8AAAAAAADgPwAAAAAAAOA/AAAAAAAA4D8CAAAAjAAAAAAAAAAAAAAAu+DjDP///wgAAAAAAAAAAAAAAAAAAAAAAAAAAAAAAAAAAAAAZAAAAAEAAABAAAAAAAAAAAAAAAAAAAAAAAAAAAAAAAAAAAAAAAAAAAAAAAAAAAAAAAAAAAAAAAAAAAAAAAAAAAAAAAAAAAAAAAAAAAAAAAAAAAAAAAAAAAAAAAAAAAAAFAAAADwAAAAAAAAAAAAAAAAAAAkUAAAAAQAAABQAAAAUAAAAFAAAAAEAAAAAAAAAZAAAAGQAAAAAAAAAZAAAAGQAAAAVAAAAYAAAAAAAAAAAAAAADwAAACADAAAAAAAAAAAAAAEAAACgMgAAVgcAAKr4//8BAAAAf39/AAEAAABkAAAAAAAAABQAAABAHwAAAAAAACYAAAAAAAAAwOD//wAAAAAmAAAAZAAAABYAAABMAAAAAAAAAAAAAAAEAAAAAAAAAAEAAACAgIAKAAAAACgAAAAoAAAAZAAAAGQAAAAAAAAAzMzMAAAAAABQAAAAUAAAAGQAAABkAAAAAAAAABcAAAAUAAAAAAAAAAAAAAD/fwAA/38AAAAAAAAJAAAABAAAAGkAZAAeAAAAaAAAAAAAAAAAAAAAAAAAAAAAAAAAAAAAECcAABAnAAAAAAAAAAAAAAAAAAAAAAAAAAAAAAAAAAAAAAAAAAAAABQAAAAAAAAAwMD/AAAAAABkAAAAMgAAAAAAAABkAAAAAAAAAH9/fwAKAAAAIgAAABgAAAAAAAAAAAAAAAAAAAAAAAAAAAAAAAAAAAAkAAAAJAAAAAAAAAAHAAAAAAAAAAAAAAAAAAAAAAAAAAAAAAAAAAAAf39/ACUAAABYAAAAAAAAAAAAAAAAAAAAAAAAAAAAAAAAAAAAAAAAAAAAAAAAAAAAAAAAAAAAAAA/AAAAAAAAAKCGAQAAAAAAAAAAAAAAAAAMAAAAAQAAAAAAAAAAAAAAAAAAAB8AAABUAAAAAAAABQAAAAEAAAAAAAAAAAAAAAAAAAAAAAAAAAAAAAAAAAAAAAAAAAAAAAJ/f38AAAAAA8zMzADAwP8Af39/AAAAAAAAAAAAAAAAAAAAAAAAAAAAIQAAABgAAAAUAAAAwAMAAK4BAABtHAAA1AgAABAAAAAmAAAACAAAAIGQAAAAAAAA"/>
+                <pr:smNativeData xmlns:pr="smNativeData" xmlns="smNativeData" val="SMDATA_15_D/RJaRMAAAAlAAAAZAAAAA0AAAAAkAAAAEgAAACQAAAASAAAAAAAAAACAAAAAAAAAAEAAABQAAAAAAAAAAAA4D8AAAAAAADgPwAAAAAAAOA/AAAAAAAA4D8AAAAAAADgPwAAAAAAAOA/AAAAAAAA4D8AAAAAAADgPwAAAAAAAOA/AAAAAAAA4D8CAAAAjAAAAAAAAAAAAAAAu+DjDP///wgAAAAAAAAAAAAAAAAAAAAAAAAAAAAAAAAAAAAAZAAAAAEAAABAAAAAAAAAAAAAAAAAAAAAAAAAAAAAAAAAAAAAAAAAAAAAAAAAAAAAAAAAAAAAAAAAAAAAAAAAAAAAAAAAAAAAAAAAAAAAAAAAAAAAAAAAAAAAAAAAAAAAFAAAADwAAAAAAAAAAAAAAAAAAAkUAAAAAQAAABQAAAAUAAAAFAAAAAEAAAAAAAAAZAAAAGQAAAAAAAAAZAAAAGQAAAAVAAAAYAAAAAAAAAAAAAAADwAAACADAAAAAAAAAAAAAAEAAACgMgAAVgcAAKr4//8BAAAAf39/AAEAAABkAAAAAAAAABQAAABAHwAAAAAAACYAAAAAAAAAwOD//wAAAAAmAAAAZAAAABYAAABMAAAAAAAAAAAAAAAEAAAAAAAAAAEAAACAgIAKAAAAACgAAAAoAAAAZAAAAGQAAAAAAAAAzMzMAAAAAABQAAAAUAAAAGQAAABkAAAAAAAAABcAAAAUAAAAAAAAAAAAAAD/fwAA/38AAAAAAAAJAAAABAAAAGkAZAAeAAAAaAAAAAAAAAAAAAAAAAAAAAAAAAAAAAAAECcAABAnAAAAAAAAAAAAAAAAAAAAAAAAAAAAAAAAAAAAAAAAAAAAABQAAAAAAAAAwMD/AAAAAABkAAAAMgAAAAAAAABkAAAAAAAAAH9/fwAKAAAAIgAAABgAAAAAAAAAAAAAAAAAAAAAAAAAAAAAAAAAAAAkAAAAJAAAAAAAAAAHAAAAAAAAAAAAAAAAAAAAAAAAAAAAAAAAAAAAf39/ACUAAABYAAAAAAAAAAAAAAAAAAAAAAAAAAAAAAAAAAAAAAAAAAAAAAAAAAAAAAAAAAAAAAA/AAAAAAAAAKCGAQAAAAAAAAAAAAAAAAAMAAAAAQAAAAAAAAAAAAAAAAAAAB8AAABUAAAAAAAABQAAAAEAAAAAAAAAAAAAAAAAAAAAAAAAAAAAAAAAAAAAAAAAAAAAAAJ/f38AAAAAA8zMzADAwP8Af39/AAAAAAAAAAAAAAAAAAAAAAAAAAAAIQAAABgAAAAUAAAAwAMAAK4BAABtHAAA1AgAABAAAAAmAAAACAAAAIGQAAAAAAAA"/>
               </a:ext>
             </a:extLst>
           </p:cNvSpPr>
@@ -2249,7 +2249,7 @@
             <a:spLocks noGrp="1" noChangeArrowheads="1"/>
             <a:extLst>
               <a:ext uri="smNativeData">
-                <pr:smNativeData xmlns:pr="smNativeData" xmlns="smNativeData" val="SMDATA_15_msZJaRMAAAAlAAAAZAAAAA0AAAAAkAAAAEgAAACQAAAASAAAAAAAAAAAAAAAAAAAAAEAAABQAAAAAAAAAAAA4D8AAAAAAADgPwAAAAAAAOA/AAAAAAAA4D8AAAAAAADgPwAAAAAAAOA/AAAAAAAA4D8AAAAAAADgPwAAAAAAAOA/AAAAAAAA4D8CAAAAjAAAAAAAAAAAAAAAu+DjDP///wgAAAAAAAAAAAAAAAAAAAAAAAAAAAAAAAAAAAAAZAAAAAEAAABAAAAAAAAAAAAAAAAAAAAAAAAAAAAAAAAAAAAAAAAAAAAAAAAAAAAAAAAAAAAAAAAAAAAAAAAAAAAAAAAAAAAAAAAAAAAAAAAAAAAAAAAAAAAAAAAAAAAAFAAAADwAAAAAAAAAAAAAAAAAAAkUAAAAAQAAABQAAAAUAAAAFAAAAAEAAAAAAAAAZAAAAGQAAAAAAAAAZAAAAGQAAAAVAAAAYAAAAAAAAAAAAAAADwAAACADAAAAAAAAAAAAAAEAAACgMgAAVgcAAKr4//8BAAAAf39/AAEAAABkAAAAAAAAABQAAABAHwAAAAAAACYAAAAAAAAAwOD//wAAAAAmAAAAZAAAABYAAABMAAAAAAAAAAAAAAAEAAAAAAAAAAEAAACAgIAKAAAAACgAAAAoAAAAZAAAAGQAAAAAAAAAzMzMAAAAAABQAAAAUAAAAGQAAABkAAAAAAAAABcAAAAUAAAAAAAAAAAAAAD/fwAA/38AAAAAAAAJAAAABAAAAAAAAAAeAAAAaAAAAAAAAAAAAAAAAAAAAAAAAAAAAAAAECcAABAnAAAAAAAAAAAAAAAAAAAAAAAAAAAAAAAAAAAAAAAAAAAAABQAAAAAAAAAwMD/AAAAAABkAAAAMgAAAAAAAABkAAAAAAAAAH9/fwAKAAAAIgAAABgAAAAAAAAAAAAAAAAAAAAAAAAAAAAAAAAAAAAkAAAAJAAAAAAAAAAHAAAAAAAAAAAAAAAAAAAAAAAAAAAAAAAAAAAAf39/ACUAAABYAAAAAAAAAAAAAAAAAAAAAAAAAAAAAAAAAAAAAAAAAAAAAAAAAAAAAAAAAAAAAAA/AAAAAAAAAKCGAQAAAAAAAAAAAAAAAAAMAAAAAQAAAAAAAAAAAAAAAAAAAB8AAABUAAAAAAAABQAAAAEAAAAAAAAAAAAAAAAAAAAAAAAAAAAAAAAAAAAAAAAAAAAAAAJ/f38AAAAAA8zMzADAwP8Af39/AAAAAAAAAAAAAAAAAAAAAAAAAAAAIQAAABgAAAAUAAAAUx0AAK4BAABARwAAsCUAABAAAAAmAAAACAAAAAGAAAAAAAAA"/>
+                <pr:smNativeData xmlns:pr="smNativeData" xmlns="smNativeData" val="SMDATA_15_D/RJaRMAAAAlAAAAZAAAAA0AAAAAkAAAAEgAAACQAAAASAAAAAAAAAAAAAAAAAAAAAEAAABQAAAAAAAAAAAA4D8AAAAAAADgPwAAAAAAAOA/AAAAAAAA4D8AAAAAAADgPwAAAAAAAOA/AAAAAAAA4D8AAAAAAADgPwAAAAAAAOA/AAAAAAAA4D8CAAAAjAAAAAAAAAAAAAAAu+DjDP///wgAAAAAAAAAAAAAAAAAAAAAAAAAAAAAAAAAAAAAZAAAAAEAAABAAAAAAAAAAAAAAAAAAAAAAAAAAAAAAAAAAAAAAAAAAAAAAAAAAAAAAAAAAAAAAAAAAAAAAAAAAAAAAAAAAAAAAAAAAAAAAAAAAAAAAAAAAAAAAAAAAAAAFAAAADwAAAAAAAAAAAAAAAAAAAkUAAAAAQAAABQAAAAUAAAAFAAAAAEAAAAAAAAAZAAAAGQAAAAAAAAAZAAAAGQAAAAVAAAAYAAAAAAAAAAAAAAADwAAACADAAAAAAAAAAAAAAEAAACgMgAAVgcAAKr4//8BAAAAf39/AAEAAABkAAAAAAAAABQAAABAHwAAAAAAACYAAAAAAAAAwOD//wAAAAAmAAAAZAAAABYAAABMAAAAAAAAAAAAAAAEAAAAAAAAAAEAAACAgIAKAAAAACgAAAAoAAAAZAAAAGQAAAAAAAAAzMzMAAAAAABQAAAAUAAAAGQAAABkAAAAAAAAABcAAAAUAAAAAAAAAAAAAAD/fwAA/38AAAAAAAAJAAAABAAAAAAAAAAeAAAAaAAAAAAAAAAAAAAAAAAAAAAAAAAAAAAAECcAABAnAAAAAAAAAAAAAAAAAAAAAAAAAAAAAAAAAAAAAAAAAAAAABQAAAAAAAAAwMD/AAAAAABkAAAAMgAAAAAAAABkAAAAAAAAAH9/fwAKAAAAIgAAABgAAAAAAAAAAAAAAAAAAAAAAAAAAAAAAAAAAAAkAAAAJAAAAAAAAAAHAAAAAAAAAAAAAAAAAAAAAAAAAAAAAAAAAAAAf39/ACUAAABYAAAAAAAAAAAAAAAAAAAAAAAAAAAAAAAAAAAAAAAAAAAAAAAAAAAAAAAAAAAAAAA/AAAAAAAAAKCGAQAAAAAAAAAAAAAAAAAMAAAAAQAAAAAAAAAAAAAAAAAAAB8AAABUAAAAAAAABQAAAAEAAAAAAAAAAAAAAAAAAAAAAAAAAAAAAAAAAAAAAAAAAAAAAAJ/f38AAAAAA8zMzADAwP8Af39/AAAAAAAAAAAAAAAAAAAAAAAAAAAAIQAAABgAAAAUAAAAUx0AAK4BAABARwAAsCUAABAAAAAmAAAACAAAAAGAAAAAAAAA"/>
               </a:ext>
             </a:extLst>
           </p:cNvSpPr>
@@ -2333,7 +2333,7 @@
             <a:spLocks noGrp="1" noChangeArrowheads="1"/>
             <a:extLst>
               <a:ext uri="smNativeData">
-                <pr:smNativeData xmlns:pr="smNativeData" xmlns="smNativeData" val="SMDATA_15_msZJaRMAAAAlAAAAZAAAAA0AAAAAkAAAAEgAAACQAAAASAAAAAAAAAAAAAAAAAAAAAEAAABQAAAAAAAAAAAA4D8AAAAAAADgPwAAAAAAAOA/AAAAAAAA4D8AAAAAAADgPwAAAAAAAOA/AAAAAAAA4D8AAAAAAADgPwAAAAAAAOA/AAAAAAAA4D8CAAAAjAAAAAAAAAAAAAAAu+DjDP///wgAAAAAAAAAAAAAAAAAAAAAAAAAAAAAAAAAAAAAZAAAAAEAAABAAAAAAAAAAAAAAAAAAAAAAAAAAAAAAAAAAAAAAAAAAAAAAAAAAAAAAAAAAAAAAAAAAAAAAAAAAAAAAAAAAAAAAAAAAAAAAAAAAAAAAAAAAAAAAAAAAAAAFAAAADwAAAAAAAAAAAAAAAAAAAkUAAAAAQAAABQAAAAUAAAAFAAAAAEAAAAAAAAAZAAAAGQAAAAAAAAAZAAAAGQAAAAVAAAAYAAAAAAAAAAAAAAADwAAACADAAAAAAAAAAAAAAEAAACgMgAAVgcAAKr4//8BAAAAf39/AAEAAABkAAAAAAAAABQAAABAHwAAAAAAACYAAAAAAAAAwOD//wAAAAAmAAAAZAAAABYAAABMAAAAAAAAAAAAAAAEAAAAAAAAAAEAAACAgIAKAAAAACgAAAAoAAAAZAAAAGQAAAAAAAAAzMzMAAAAAABQAAAAUAAAAGQAAABkAAAAAAAAABcAAAAUAAAAAAAAAAAAAAD/fwAA/38AAAAAAAAJAAAABAAAAAAAAAAeAAAAaAAAAAAAAAAAAAAAAAAAAAAAAAAAAAAAECcAABAnAAAAAAAAAAAAAAAAAAAAAAAAAAAAAAAAAAAAAAAAAAAAABQAAAAAAAAAwMD/AAAAAABkAAAAMgAAAAAAAABkAAAAAAAAAH9/fwAKAAAAIgAAABgAAAAAAAAAAAAAAAAAAAAAAAAAAAAAAAAAAAAkAAAAJAAAAAAAAAAHAAAAAAAAAAAAAAAAAAAAAAAAAAAAAAAAAAAAf39/ACUAAABYAAAAAAAAAAAAAAAAAAAAAAAAAAAAAAAAAAAAAAAAAAAAAAAAAAAAAAAAAAAAAAA/AAAAAAAAAKCGAQAAAAAAAAAAAAAAAAAMAAAAAQAAAAAAAAAAAAAAAAAAAB8AAABUAAAAAAAABQAAAAEAAAAAAAAAAAAAAAAAAAAAAAAAAAAAAAAAAAAAAAAAAAAAAAJ/f38AAAAAA8zMzADAwP8Af39/AAAAAAAAAAAAAAAAAAAAAAAAAAAAIQAAABgAAAAUAAAAwAMAANQIAABtHAAAsCUAABAAAAAmAAAACAAAAAGAAAAAAAAA"/>
+                <pr:smNativeData xmlns:pr="smNativeData" xmlns="smNativeData" val="SMDATA_15_D/RJaRMAAAAlAAAAZAAAAA0AAAAAkAAAAEgAAACQAAAASAAAAAAAAAAAAAAAAAAAAAEAAABQAAAAAAAAAAAA4D8AAAAAAADgPwAAAAAAAOA/AAAAAAAA4D8AAAAAAADgPwAAAAAAAOA/AAAAAAAA4D8AAAAAAADgPwAAAAAAAOA/AAAAAAAA4D8CAAAAjAAAAAAAAAAAAAAAu+DjDP///wgAAAAAAAAAAAAAAAAAAAAAAAAAAAAAAAAAAAAAZAAAAAEAAABAAAAAAAAAAAAAAAAAAAAAAAAAAAAAAAAAAAAAAAAAAAAAAAAAAAAAAAAAAAAAAAAAAAAAAAAAAAAAAAAAAAAAAAAAAAAAAAAAAAAAAAAAAAAAAAAAAAAAFAAAADwAAAAAAAAAAAAAAAAAAAkUAAAAAQAAABQAAAAUAAAAFAAAAAEAAAAAAAAAZAAAAGQAAAAAAAAAZAAAAGQAAAAVAAAAYAAAAAAAAAAAAAAADwAAACADAAAAAAAAAAAAAAEAAACgMgAAVgcAAKr4//8BAAAAf39/AAEAAABkAAAAAAAAABQAAABAHwAAAAAAACYAAAAAAAAAwOD//wAAAAAmAAAAZAAAABYAAABMAAAAAAAAAAAAAAAEAAAAAAAAAAEAAACAgIAKAAAAACgAAAAoAAAAZAAAAGQAAAAAAAAAzMzMAAAAAABQAAAAUAAAAGQAAABkAAAAAAAAABcAAAAUAAAAAAAAAAAAAAD/fwAA/38AAAAAAAAJAAAABAAAAAAAAAAeAAAAaAAAAAAAAAAAAAAAAAAAAAAAAAAAAAAAECcAABAnAAAAAAAAAAAAAAAAAAAAAAAAAAAAAAAAAAAAAAAAAAAAABQAAAAAAAAAwMD/AAAAAABkAAAAMgAAAAAAAABkAAAAAAAAAH9/fwAKAAAAIgAAABgAAAAAAAAAAAAAAAAAAAAAAAAAAAAAAAAAAAAkAAAAJAAAAAAAAAAHAAAAAAAAAAAAAAAAAAAAAAAAAAAAAAAAAAAAf39/ACUAAABYAAAAAAAAAAAAAAAAAAAAAAAAAAAAAAAAAAAAAAAAAAAAAAAAAAAAAAAAAAAAAAA/AAAAAAAAAKCGAQAAAAAAAAAAAAAAAAAMAAAAAQAAAAAAAAAAAAAAAAAAAB8AAABUAAAAAAAABQAAAAEAAAAAAAAAAAAAAAAAAAAAAAAAAAAAAAAAAAAAAAAAAAAAAAJ/f38AAAAAA8zMzADAwP8Af39/AAAAAAAAAAAAAAAAAAAAAAAAAAAAIQAAABgAAAAUAAAAwAMAANQIAABtHAAAsCUAABAAAAAmAAAACAAAAAGAAAAAAAAA"/>
               </a:ext>
             </a:extLst>
           </p:cNvSpPr>
@@ -2402,7 +2402,7 @@
             <a:spLocks noGrp="1" noChangeArrowheads="1"/>
             <a:extLst>
               <a:ext uri="smNativeData">
-                <pr:smNativeData xmlns:pr="smNativeData" xmlns="smNativeData" val="SMDATA_15_msZJaRMAAAAlAAAAZAAAAA0AAAAAkAAAAEgAAACQAAAASAAAAAAAAAABAAAAAAAAAAEAAABQAAAAAAAAAAAA4D8AAAAAAADgPwAAAAAAAOA/AAAAAAAA4D8AAAAAAADgPwAAAAAAAOA/AAAAAAAA4D8AAAAAAADgPwAAAAAAAOA/AAAAAAAA4D8CAAAAjAAAAAAAAAAAAAAAu+DjDP///wgAAAAAAAAAAAAAAAAAAAAAAAAAAAAAAAAAAAAAZAAAAAEAAABAAAAAAAAAAAAAAAAAAAAAAAAAAAAAAAAAAAAAAAAAAAAAAAAAAAAAAAAAAAAAAAAAAAAAAAAAAAAAAAAAAAAAAAAAAAAAAAAAAAAAAAAAAAAAAAAAAAAAFAAAADwAAAAAAAAAAAAAAAAAAAkUAAAAAQAAABQAAAAUAAAAFAAAAAEAAAAAAAAAZAAAAGQAAAAAAAAAZAAAAGQAAAAVAAAAYAAAAAAAAAAAAAAADwAAACADAAAAAAAAAAAAAAEAAACgMgAAVgcAAKr4//8BAAAAf39/AAEAAABkAAAAAAAAABQAAABAHwAAAAAAACYAAAAAAAAAwOD//wAAAAAmAAAAZAAAABYAAABMAAAAAAAAAAAAAAAEAAAAAAAAAAEAAACAgIAKAAAAACgAAAAoAAAAZAAAAGQAAAAAAAAAzMzMAAAAAABQAAAAUAAAAGQAAABkAAAAAAAAABcAAAAUAAAAAAAAAAAAAAD/fwAA/38AAAAAAAAJAAAABAAAAAAAAAAeAAAAaAAAAAAAAAAAAAAAAAAAAAAAAAAAAAAAECcAABAnAAAAAAAAAAAAAAAAAAAAAAAAAAAAAAAAAAAAAAAAAAAAABQAAAAAAAAAwMD/AAAAAABkAAAAMgAAAAAAAABkAAAAAAAAAH9/fwAKAAAAIgAAABgAAAAAAAAAAAAAAAAAAAAAAAAAAAAAAAAAAAAkAAAAJAAAAAAAAAAHAAAAAAAAAAAAAAAAAAAAAAAAAAAAAAAAAAAAf39/ACUAAABYAAAAAAAAAAAAAAAAAAAAAAAAAAAAAAAAAAAAAAAAAAAAAAAAAAAAAAAAAAAAAAA/AAAAAAAAAKCGAQAAAAAAAAAAAAAAAAAMAAAAAQAAAAAAAAAAAAAAAAAAAB8AAABUAAAAAAAABQAAAAEAAAAAAAAAAAAAAAAAAAAAAAAAAAAAAAAAAAAAAAAAAAAAAAJ/f38AAAAAA8zMzADAwP8Af39/AAAAAAAAAAAAAAAAAAAAAAAAAAAAIQAAABgAAAAUAAAAwAMAABsnAAA/FQAAWSkAABAAAAAmAAAACAAAAAAAAAAAAAAA"/>
+                <pr:smNativeData xmlns:pr="smNativeData" xmlns="smNativeData" val="SMDATA_15_D/RJaRMAAAAlAAAAZAAAAA0AAAAAkAAAAEgAAACQAAAASAAAAAAAAAABAAAAAAAAAAEAAABQAAAAAAAAAAAA4D8AAAAAAADgPwAAAAAAAOA/AAAAAAAA4D8AAAAAAADgPwAAAAAAAOA/AAAAAAAA4D8AAAAAAADgPwAAAAAAAOA/AAAAAAAA4D8CAAAAjAAAAAAAAAAAAAAAu+DjDP///wgAAAAAAAAAAAAAAAAAAAAAAAAAAAAAAAAAAAAAZAAAAAEAAABAAAAAAAAAAAAAAAAAAAAAAAAAAAAAAAAAAAAAAAAAAAAAAAAAAAAAAAAAAAAAAAAAAAAAAAAAAAAAAAAAAAAAAAAAAAAAAAAAAAAAAAAAAAAAAAAAAAAAFAAAADwAAAAAAAAAAAAAAAAAAAkUAAAAAQAAABQAAAAUAAAAFAAAAAEAAAAAAAAAZAAAAGQAAAAAAAAAZAAAAGQAAAAVAAAAYAAAAAAAAAAAAAAADwAAACADAAAAAAAAAAAAAAEAAACgMgAAVgcAAKr4//8BAAAAf39/AAEAAABkAAAAAAAAABQAAABAHwAAAAAAACYAAAAAAAAAwOD//wAAAAAmAAAAZAAAABYAAABMAAAAAAAAAAAAAAAEAAAAAAAAAAEAAACAgIAKAAAAACgAAAAoAAAAZAAAAGQAAAAAAAAAzMzMAAAAAABQAAAAUAAAAGQAAABkAAAAAAAAABcAAAAUAAAAAAAAAAAAAAD/fwAA/38AAAAAAAAJAAAABAAAAAAAAAAeAAAAaAAAAAAAAAAAAAAAAAAAAAAAAAAAAAAAECcAABAnAAAAAAAAAAAAAAAAAAAAAAAAAAAAAAAAAAAAAAAAAAAAABQAAAAAAAAAwMD/AAAAAABkAAAAMgAAAAAAAABkAAAAAAAAAH9/fwAKAAAAIgAAABgAAAAAAAAAAAAAAAAAAAAAAAAAAAAAAAAAAAAkAAAAJAAAAAAAAAAHAAAAAAAAAAAAAAAAAAAAAAAAAAAAAAAAAAAAf39/ACUAAABYAAAAAAAAAAAAAAAAAAAAAAAAAAAAAAAAAAAAAAAAAAAAAAAAAAAAAAAAAAAAAAA/AAAAAAAAAKCGAQAAAAAAAAAAAAAAAAAMAAAAAQAAAAAAAAAAAAAAAAAAAB8AAABUAAAAAAAABQAAAAEAAAAAAAAAAAAAAAAAAAAAAAAAAAAAAAAAAAAAAAAAAAAAAAJ/f38AAAAAA8zMzADAwP8Af39/AAAAAAAAAAAAAAAAAAAAAAAAAAAAIQAAABgAAAAUAAAAwAMAABsnAAA/FQAAWSkAABAAAAAmAAAACAAAAAAAAAAAAAAA"/>
               </a:ext>
             </a:extLst>
           </p:cNvSpPr>
@@ -2416,7 +2416,7 @@
           <a:lstStyle/>
           <a:p>
             <a:pPr/>
-            <a:fld id="{0DCF63AA-E4E0-9A95-AE77-12C02D395847}" type="datetime1">
+            <a:fld id="{0C3DA999-D7E1-685F-AF85-210AE7CB5974}" type="datetime1">
               <a:t>12/16/2025</a:t>
             </a:fld>
           </a:p>
@@ -2429,7 +2429,7 @@
             <a:spLocks noGrp="1" noChangeArrowheads="1"/>
             <a:extLst>
               <a:ext uri="smNativeData">
-                <pr:smNativeData xmlns:pr="smNativeData" xmlns="smNativeData" val="SMDATA_15_msZJaRMAAAAlAAAAZAAAAA0AAAAAkAAAAEgAAACQAAAASAAAAAAAAAABAAAAAAAAAAEAAABQAAAAAAAAAAAA4D8AAAAAAADgPwAAAAAAAOA/AAAAAAAA4D8AAAAAAADgPwAAAAAAAOA/AAAAAAAA4D8AAAAAAADgPwAAAAAAAOA/AAAAAAAA4D8CAAAAjAAAAAAAAAAAAAAAu+DjDP///wgAAAAAAAAAAAAAAAAAAAAAAAAAAAAAAAAAAAAAZAAAAAEAAABAAAAAAAAAAAAAAAAAAAAAAAAAAAAAAAAAAAAAAAAAAAAAAAAAAAAAAAAAAAAAAAAAAAAAAAAAAAAAAAAAAAAAAAAAAAAAAAAAAAAAAAAAAAAAAAAAAAAAFAAAADwAAAAAAAAAAAAAAAAAAAkUAAAAAQAAABQAAAAUAAAAFAAAAAEAAAAAAAAAZAAAAGQAAAAAAAAAZAAAAGQAAAAVAAAAYAAAAAAAAAAAAAAADwAAACADAAAAAAAAAAAAAAEAAACgMgAAVgcAAKr4//8BAAAAf39/AAEAAABkAAAAAAAAABQAAABAHwAAAAAAACYAAAAAAAAAwOD//wAAAAAmAAAAZAAAABYAAABMAAAAAAAAAAAAAAAEAAAAAAAAAAEAAACAgIAKAAAAACgAAAAoAAAAZAAAAGQAAAAAAAAAzMzMAAAAAABQAAAAUAAAAGQAAABkAAAAAAAAABcAAAAUAAAAAAAAAAAAAAD/fwAA/38AAAAAAAAJAAAABAAAAAAAAAAeAAAAaAAAAAAAAAAAAAAAAAAAAAAAAAAAAAAAECcAABAnAAAAAAAAAAAAAAAAAAAAAAAAAAAAAAAAAAAAAAAAAAAAABQAAAAAAAAAwMD/AAAAAABkAAAAMgAAAAAAAABkAAAAAAAAAH9/fwAKAAAAIgAAABgAAAAAAAAAAAAAAAAAAAAAAAAAAAAAAAAAAAAkAAAAJAAAAAAAAAAHAAAAAAAAAAAAAAAAAAAAAAAAAAAAAAAAAAAAf39/ACUAAABYAAAAAAAAAAAAAAAAAAAAAAAAAAAAAAAAAAAAAAAAAAAAAAAAAAAAAAAAAAAAAAA/AAAAAAAAAKCGAQAAAAAAAAAAAAAAAAAMAAAAAQAAAAAAAAAAAAAAAAAAAB8AAABUAAAAAAAABQAAAAEAAAAAAAAAAAAAAAAAAAAAAAAAAAAAAAAAAAAAAAAAAAAAAAJ/f38AAAAAA8zMzADAwP8Af39/AAAAAAAAAAAAAAAAAAAAAAAAAAAAIQAAABgAAAAUAAAAoRkAABsnAABfMQAAWSkAABAAAAAmAAAACAAAAAAAAAAAAAAA"/>
+                <pr:smNativeData xmlns:pr="smNativeData" xmlns="smNativeData" val="SMDATA_15_D/RJaRMAAAAlAAAAZAAAAA0AAAAAkAAAAEgAAACQAAAASAAAAAAAAAABAAAAAAAAAAEAAABQAAAAAAAAAAAA4D8AAAAAAADgPwAAAAAAAOA/AAAAAAAA4D8AAAAAAADgPwAAAAAAAOA/AAAAAAAA4D8AAAAAAADgPwAAAAAAAOA/AAAAAAAA4D8CAAAAjAAAAAAAAAAAAAAAu+DjDP///wgAAAAAAAAAAAAAAAAAAAAAAAAAAAAAAAAAAAAAZAAAAAEAAABAAAAAAAAAAAAAAAAAAAAAAAAAAAAAAAAAAAAAAAAAAAAAAAAAAAAAAAAAAAAAAAAAAAAAAAAAAAAAAAAAAAAAAAAAAAAAAAAAAAAAAAAAAAAAAAAAAAAAFAAAADwAAAAAAAAAAAAAAAAAAAkUAAAAAQAAABQAAAAUAAAAFAAAAAEAAAAAAAAAZAAAAGQAAAAAAAAAZAAAAGQAAAAVAAAAYAAAAAAAAAAAAAAADwAAACADAAAAAAAAAAAAAAEAAACgMgAAVgcAAKr4//8BAAAAf39/AAEAAABkAAAAAAAAABQAAABAHwAAAAAAACYAAAAAAAAAwOD//wAAAAAmAAAAZAAAABYAAABMAAAAAAAAAAAAAAAEAAAAAAAAAAEAAACAgIAKAAAAACgAAAAoAAAAZAAAAGQAAAAAAAAAzMzMAAAAAABQAAAAUAAAAGQAAABkAAAAAAAAABcAAAAUAAAAAAAAAAAAAAD/fwAA/38AAAAAAAAJAAAABAAAAAAAAAAeAAAAaAAAAAAAAAAAAAAAAAAAAAAAAAAAAAAAECcAABAnAAAAAAAAAAAAAAAAAAAAAAAAAAAAAAAAAAAAAAAAAAAAABQAAAAAAAAAwMD/AAAAAABkAAAAMgAAAAAAAABkAAAAAAAAAH9/fwAKAAAAIgAAABgAAAAAAAAAAAAAAAAAAAAAAAAAAAAAAAAAAAAkAAAAJAAAAAAAAAAHAAAAAAAAAAAAAAAAAAAAAAAAAAAAAAAAAAAAf39/ACUAAABYAAAAAAAAAAAAAAAAAAAAAAAAAAAAAAAAAAAAAAAAAAAAAAAAAAAAAAAAAAAAAAA/AAAAAAAAAKCGAQAAAAAAAAAAAAAAAAAMAAAAAQAAAAAAAAAAAAAAAAAAAB8AAABUAAAAAAAABQAAAAEAAAAAAAAAAAAAAAAAAAAAAAAAAAAAAAAAAAAAAAAAAAAAAAJ/f38AAAAAA8zMzADAwP8Af39/AAAAAAAAAAAAAAAAAAAAAAAAAAAAIQAAABgAAAAUAAAAoRkAABsnAABfMQAAWSkAABAAAAAmAAAACAAAAAAAAAAAAAAA"/>
               </a:ext>
             </a:extLst>
           </p:cNvSpPr>
@@ -2453,7 +2453,7 @@
             <a:spLocks noGrp="1" noChangeArrowheads="1"/>
             <a:extLst>
               <a:ext uri="smNativeData">
-                <pr:smNativeData xmlns:pr="smNativeData" xmlns="smNativeData" val="SMDATA_15_msZJaRMAAAAlAAAAZAAAAA0AAAAAkAAAAEgAAACQAAAASAAAAAAAAAABAAAAAAAAAAEAAABQAAAAAAAAAAAA4D8AAAAAAADgPwAAAAAAAOA/AAAAAAAA4D8AAAAAAADgPwAAAAAAAOA/AAAAAAAA4D8AAAAAAADgPwAAAAAAAOA/AAAAAAAA4D8CAAAAjAAAAAAAAAAAAAAAu+DjDP///wgAAAAAAAAAAAAAAAAAAAAAAAAAAAAAAAAAAAAAZAAAAAEAAABAAAAAAAAAAAAAAAAAAAAAAAAAAAAAAAAAAAAAAAAAAAAAAAAAAAAAAAAAAAAAAAAAAAAAAAAAAAAAAAAAAAAAAAAAAAAAAAAAAAAAAAAAAAAAAAAAAAAAFAAAADwAAAAAAAAAAAAAAAAAAAkUAAAAAQAAABQAAAAUAAAAFAAAAAEAAAAAAAAAZAAAAGQAAAAAAAAAZAAAAGQAAAAVAAAAYAAAAAAAAAAAAAAADwAAACADAAAAAAAAAAAAAAEAAACgMgAAVgcAAKr4//8BAAAAf39/AAEAAABkAAAAAAAAABQAAABAHwAAAAAAACYAAAAAAAAAwOD//wAAAAAmAAAAZAAAABYAAABMAAAAAAAAAAAAAAAEAAAAAAAAAAEAAACAgIAKAAAAACgAAAAoAAAAZAAAAGQAAAAAAAAAzMzMAAAAAABQAAAAUAAAAGQAAABkAAAAAAAAABcAAAAUAAAAAAAAAAAAAAD/fwAA/38AAAAAAAAJAAAABAAAAAAAAAAeAAAAaAAAAAAAAAAAAAAAAAAAAAAAAAAAAAAAECcAABAnAAAAAAAAAAAAAAAAAAAAAAAAAAAAAAAAAAAAAAAAAAAAABQAAAAAAAAAwMD/AAAAAABkAAAAMgAAAAAAAABkAAAAAAAAAH9/fwAKAAAAIgAAABgAAAAAAAAAAAAAAAAAAAAAAAAAAAAAAAAAAAAkAAAAJAAAAAAAAAAHAAAAAAAAAAAAAAAAAAAAAAAAAAAAAAAAAAAAf39/ACUAAABYAAAAAAAAAAAAAAAAAAAAAAAAAAAAAAAAAAAAAAAAAAAAAAAAAAAAAAAAAAAAAAA/AAAAAAAAAKCGAQAAAAAAAAAAAAAAAAAMAAAAAQAAAAAAAAAAAAAAAAAAAB8AAABUAAAAAAAABQAAAAEAAAAAAAAAAAAAAAAAAAAAAAAAAAAAAAAAAAAAAAAAAAAAAAJ/f38AAAAAA8zMzADAwP8Af39/AAAAAAAAAAAAAAAAAAAAAAAAAAAAIQAAABgAAAAUAAAAwTUAABsnAABARwAAWSkAABAAAAAmAAAACAAAAAAAAAAAAAAA"/>
+                <pr:smNativeData xmlns:pr="smNativeData" xmlns="smNativeData" val="SMDATA_15_D/RJaRMAAAAlAAAAZAAAAA0AAAAAkAAAAEgAAACQAAAASAAAAAAAAAABAAAAAAAAAAEAAABQAAAAAAAAAAAA4D8AAAAAAADgPwAAAAAAAOA/AAAAAAAA4D8AAAAAAADgPwAAAAAAAOA/AAAAAAAA4D8AAAAAAADgPwAAAAAAAOA/AAAAAAAA4D8CAAAAjAAAAAAAAAAAAAAAu+DjDP///wgAAAAAAAAAAAAAAAAAAAAAAAAAAAAAAAAAAAAAZAAAAAEAAABAAAAAAAAAAAAAAAAAAAAAAAAAAAAAAAAAAAAAAAAAAAAAAAAAAAAAAAAAAAAAAAAAAAAAAAAAAAAAAAAAAAAAAAAAAAAAAAAAAAAAAAAAAAAAAAAAAAAAFAAAADwAAAAAAAAAAAAAAAAAAAkUAAAAAQAAABQAAAAUAAAAFAAAAAEAAAAAAAAAZAAAAGQAAAAAAAAAZAAAAGQAAAAVAAAAYAAAAAAAAAAAAAAADwAAACADAAAAAAAAAAAAAAEAAACgMgAAVgcAAKr4//8BAAAAf39/AAEAAABkAAAAAAAAABQAAABAHwAAAAAAACYAAAAAAAAAwOD//wAAAAAmAAAAZAAAABYAAABMAAAAAAAAAAAAAAAEAAAAAAAAAAEAAACAgIAKAAAAACgAAAAoAAAAZAAAAGQAAAAAAAAAzMzMAAAAAABQAAAAUAAAAGQAAABkAAAAAAAAABcAAAAUAAAAAAAAAAAAAAD/fwAA/38AAAAAAAAJAAAABAAAAAAAAAAeAAAAaAAAAAAAAAAAAAAAAAAAAAAAAAAAAAAAECcAABAnAAAAAAAAAAAAAAAAAAAAAAAAAAAAAAAAAAAAAAAAAAAAABQAAAAAAAAAwMD/AAAAAABkAAAAMgAAAAAAAABkAAAAAAAAAH9/fwAKAAAAIgAAABgAAAAAAAAAAAAAAAAAAAAAAAAAAAAAAAAAAAAkAAAAJAAAAAAAAAAHAAAAAAAAAAAAAAAAAAAAAAAAAAAAAAAAAAAAf39/ACUAAABYAAAAAAAAAAAAAAAAAAAAAAAAAAAAAAAAAAAAAAAAAAAAAAAAAAAAAAAAAAAAAAA/AAAAAAAAAKCGAQAAAAAAAAAAAAAAAAAMAAAAAQAAAAAAAAAAAAAAAAAAAB8AAABUAAAAAAAABQAAAAEAAAAAAAAAAAAAAAAAAAAAAAAAAAAAAAAAAAAAAAAAAAAAAAJ/f38AAAAAA8zMzADAwP8Af39/AAAAAAAAAAAAAAAAAAAAAAAAAAAAIQAAABgAAAAUAAAAwTUAABsnAABARwAAWSkAABAAAAAmAAAACAAAAAAAAAAAAAAA"/>
               </a:ext>
             </a:extLst>
           </p:cNvSpPr>
@@ -2467,7 +2467,7 @@
           <a:lstStyle/>
           <a:p>
             <a:pPr/>
-            <a:fld id="{0DCF22EA-A4E0-9AD4-AE77-52816C395807}" type="slidenum">
+            <a:fld id="{0C3DC821-6FE1-683E-AF85-996B86CB59CC}" type="slidenum">
               <a:t>‹#›</a:t>
             </a:fld>
           </a:p>
@@ -2506,7 +2506,7 @@
             <a:spLocks noGrp="1" noChangeArrowheads="1"/>
             <a:extLst>
               <a:ext uri="smNativeData">
-                <pr:smNativeData xmlns:pr="smNativeData" xmlns="smNativeData" val="SMDATA_15_msZJaRMAAAAlAAAAZAAAAA0AAAAAkAAAAEgAAACQAAAASAAAAAAAAAACAAAAAAAAAAEAAABQAAAAAAAAAAAA4D8AAAAAAADgPwAAAAAAAOA/AAAAAAAA4D8AAAAAAADgPwAAAAAAAOA/AAAAAAAA4D8AAAAAAADgPwAAAAAAAOA/AAAAAAAA4D8CAAAAjAAAAAAAAAAAAAAAu+DjDP///wgAAAAAAAAAAAAAAAAAAAAAAAAAAAAAAAAAAAAAZAAAAAEAAABAAAAAAAAAAAAAAAAAAAAAAAAAAAAAAAAAAAAAAAAAAAAAAAAAAAAAAAAAAAAAAAAAAAAAAAAAAAAAAAAAAAAAAAAAAAAAAAAAAAAAAAAAAAAAAAAAAAAAFAAAADwAAAAAAAAAAAAAAAAAAAkUAAAAAQAAABQAAAAUAAAAFAAAAAEAAAAAAAAAZAAAAGQAAAAAAAAAZAAAAGQAAAAVAAAAYAAAAAAAAAAAAAAADwAAACADAAAAAAAAAAAAAAEAAACgMgAAVgcAAKr4//8BAAAAf39/AAEAAABkAAAAAAAAABQAAABAHwAAAAAAACYAAAAAAAAAwOD//wAAAAAmAAAAZAAAABYAAABMAAAAAAAAAAAAAAAEAAAAAAAAAAEAAACAgIAKAAAAACgAAAAoAAAAZAAAAGQAAAAAAAAAzMzMAAAAAABQAAAAUAAAAGQAAABkAAAAAAAAABcAAAAUAAAAAAAAAAAAAAD/fwAA/38AAAAAAAAJAAAABAAAAAAAAAAeAAAAaAAAAAAAAAAAAAAAAAAAAAAAAAAAAAAAECcAABAnAAAAAAAAAAAAAAAAAAAAAAAAAAAAAAAAAAAAAAAAAAAAABQAAAAAAAAAwMD/AAAAAABkAAAAMgAAAAAAAABkAAAAAAAAAH9/fwAKAAAAIgAAABgAAAAAAAAAAAAAAAAAAAAAAAAAAAAAAAAAAAAkAAAAJAAAAAAAAAAHAAAAAAAAAAAAAAAAAAAAAAAAAAAAAAAAAAAAf39/ACUAAABYAAAAAAAAAAAAAAAAAAAAAAAAAAAAAAAAAAAAAAAAAAAAAAAAAAAAAAAAAAAAAAA/AAAAAAAAAKCGAQAAAAAAAAAAAAAAAAAMAAAAAQAAAAAAAAAAAAAAAAAAAB8AAABUAAAAAAAABQAAAAEAAAAAAAAAAAAAAAAAAAAAAAAAAAAAAAAAAAAAAAAAAAAAAAJ/f38AAAAAA8zMzADAwP8Af39/AAAAAAAAAAAAAAAAAAAAAAAAAAAAIQAAABgAAAAUAAAAsw4AAIgdAACzOwAABCEAABAAAAAmAAAACAAAAIGQAAAAAAAA"/>
+                <pr:smNativeData xmlns:pr="smNativeData" xmlns="smNativeData" val="SMDATA_15_D/RJaRMAAAAlAAAAZAAAAA0AAAAAkAAAAEgAAACQAAAASAAAAAAAAAACAAAAAAAAAAEAAABQAAAAAAAAAAAA4D8AAAAAAADgPwAAAAAAAOA/AAAAAAAA4D8AAAAAAADgPwAAAAAAAOA/AAAAAAAA4D8AAAAAAADgPwAAAAAAAOA/AAAAAAAA4D8CAAAAjAAAAAAAAAAAAAAAu+DjDP///wgAAAAAAAAAAAAAAAAAAAAAAAAAAAAAAAAAAAAAZAAAAAEAAABAAAAAAAAAAAAAAAAAAAAAAAAAAAAAAAAAAAAAAAAAAAAAAAAAAAAAAAAAAAAAAAAAAAAAAAAAAAAAAAAAAAAAAAAAAAAAAAAAAAAAAAAAAAAAAAAAAAAAFAAAADwAAAAAAAAAAAAAAAAAAAkUAAAAAQAAABQAAAAUAAAAFAAAAAEAAAAAAAAAZAAAAGQAAAAAAAAAZAAAAGQAAAAVAAAAYAAAAAAAAAAAAAAADwAAACADAAAAAAAAAAAAAAEAAACgMgAAVgcAAKr4//8BAAAAf39/AAEAAABkAAAAAAAAABQAAABAHwAAAAAAACYAAAAAAAAAwOD//wAAAAAmAAAAZAAAABYAAABMAAAAAAAAAAAAAAAEAAAAAAAAAAEAAACAgIAKAAAAACgAAAAoAAAAZAAAAGQAAAAAAAAAzMzMAAAAAABQAAAAUAAAAGQAAABkAAAAAAAAABcAAAAUAAAAAAAAAAAAAAD/fwAA/38AAAAAAAAJAAAABAAAAAAAAAAeAAAAaAAAAAAAAAAAAAAAAAAAAAAAAAAAAAAAECcAABAnAAAAAAAAAAAAAAAAAAAAAAAAAAAAAAAAAAAAAAAAAAAAABQAAAAAAAAAwMD/AAAAAABkAAAAMgAAAAAAAABkAAAAAAAAAH9/fwAKAAAAIgAAABgAAAAAAAAAAAAAAAAAAAAAAAAAAAAAAAAAAAAkAAAAJAAAAAAAAAAHAAAAAAAAAAAAAAAAAAAAAAAAAAAAAAAAAAAAf39/ACUAAABYAAAAAAAAAAAAAAAAAAAAAAAAAAAAAAAAAAAAAAAAAAAAAAAAAAAAAAAAAAAAAAA/AAAAAAAAAKCGAQAAAAAAAAAAAAAAAAAMAAAAAQAAAAAAAAAAAAAAAAAAAB8AAABUAAAAAAAABQAAAAEAAAAAAAAAAAAAAAAAAAAAAAAAAAAAAAAAAAAAAAAAAAAAAAJ/f38AAAAAA8zMzADAwP8Af39/AAAAAAAAAAAAAAAAAAAAAAAAAAAAIQAAABgAAAAUAAAAsw4AAIgdAACzOwAABCEAABAAAAAmAAAACAAAAIGQAAAAAAAA"/>
               </a:ext>
             </a:extLst>
           </p:cNvSpPr>
@@ -2546,7 +2546,7 @@
             <a:spLocks noGrp="1" noChangeArrowheads="1"/>
             <a:extLst>
               <a:ext uri="smNativeData">
-                <pr:smNativeData xmlns:pr="smNativeData" xmlns="smNativeData" val="SMDATA_15_msZJaRMAAAAlAAAAZAAAAA0AAAAAkAAAAEgAAACQAAAASAAAAAAAAAAAAAAAAAAAAAEAAABQAAAAAAAAAAAA4D8AAAAAAADgPwAAAAAAAOA/AAAAAAAA4D8AAAAAAADgPwAAAAAAAOA/AAAAAAAA4D8AAAAAAADgPwAAAAAAAOA/AAAAAAAA4D8CAAAAjAAAAAAAAAAAAAAAu+DjDP///wgAAAAAAAAAAAAAAAAAAAAAAAAAAAAAAAAAAAAAZAAAAAEAAABAAAAAAAAAAAAAAAAAAAAAAAAAAAAAAAAAAAAAAAAAAAAAAAAAAAAAAAAAAAAAAAAAAAAAAAAAAAAAAAAAAAAAAAAAAAAAAAAAAAAAAAAAAAAAAAAAAAAAFAAAADwAAAAAAAAAAAAAAAAAAAkUAAAAAQAAABQAAAAUAAAAFAAAAAEAAAAAAAAAZAAAAGQAAAAAAAAAZAAAAGQAAAAVAAAAYAAAAAAAAAAAAAAADwAAACADAAAAAAAAAAAAAAEAAACgMgAAVgcAAKr4//8BAAAAf39/AAEAAABkAAAAAAAAABQAAABAHwAAAAAAACYAAAAAAAAAwOD//wAAAAAmAAAAZAAAABYAAABMAAAAAAAAAAAAAAAEAAAAAAAAAAEAAACAgIAKAAAAACgAAAAoAAAAZAAAAGQAAAAAAAAAzMzMAAAAAABQAAAAUAAAAGQAAABkAAAAAAAAABcAAAAUAAAAAAAAAAAAAAD/fwAA/38AAAAAAAAJAAAABAAAAAAAAAAeAAAAaAAAAAAAAAAAAAAAAAAAAAAAAAAAAAAAECcAABAnAAAAAAAAAAAAAAAAAAAAAAAAAAAAAAAAAAAAAAAAAAAAABQAAAAAAAAAwMD/AAAAAABkAAAAMgAAAAAAAABkAAAAAAAAAH9/fwAKAAAAIgAAABgAAAAAAAAAAAAAAAAAAAAAAAAAAAAAAAAAAAAkAAAAJAAAAAAAAAAHAAAAAAAAAAAAAAAAAAAAAAAAAAAAAAAAAAAAf39/ACUAAABYAAAAAAAAAAAAAAAAAAAAAAAAAAAAAAAAAAAAAAAAAAAAAAAAAAAAAAAAAAAAAAA/AAAAAAAAAKCGAQAAAAAAAAAAAAAAAAAMAAAAAQAAAAAAAAAAAAAAAAAAAB8AAABUAAAAAAAABQAAAAEAAAAAAAAAAAAAAAAAAAAAAAAAAAAAAAAAAAAAAAAAAAAAAAJ/f38AAAAAA8zMzADAwP8Af39/AAAAAAAAAAAAAAAAAAAAAAAAAAAAIQAAABgAAAAUAAAAsw4AAMYDAACzOwAAFh0AABAAAAAmAAAACAAAAAGAAAAAAAAA"/>
+                <pr:smNativeData xmlns:pr="smNativeData" xmlns="smNativeData" val="SMDATA_15_D/RJaRMAAAAlAAAAZAAAAA0AAAAAkAAAAEgAAACQAAAASAAAAAAAAAAAAAAAAAAAAAEAAABQAAAAAAAAAAAA4D8AAAAAAADgPwAAAAAAAOA/AAAAAAAA4D8AAAAAAADgPwAAAAAAAOA/AAAAAAAA4D8AAAAAAADgPwAAAAAAAOA/AAAAAAAA4D8CAAAAjAAAAAAAAAAAAAAAu+DjDP///wgAAAAAAAAAAAAAAAAAAAAAAAAAAAAAAAAAAAAAZAAAAAEAAABAAAAAAAAAAAAAAAAAAAAAAAAAAAAAAAAAAAAAAAAAAAAAAAAAAAAAAAAAAAAAAAAAAAAAAAAAAAAAAAAAAAAAAAAAAAAAAAAAAAAAAAAAAAAAAAAAAAAAFAAAADwAAAAAAAAAAAAAAAAAAAkUAAAAAQAAABQAAAAUAAAAFAAAAAEAAAAAAAAAZAAAAGQAAAAAAAAAZAAAAGQAAAAVAAAAYAAAAAAAAAAAAAAADwAAACADAAAAAAAAAAAAAAEAAACgMgAAVgcAAKr4//8BAAAAf39/AAEAAABkAAAAAAAAABQAAABAHwAAAAAAACYAAAAAAAAAwOD//wAAAAAmAAAAZAAAABYAAABMAAAAAAAAAAAAAAAEAAAAAAAAAAEAAACAgIAKAAAAACgAAAAoAAAAZAAAAGQAAAAAAAAAzMzMAAAAAABQAAAAUAAAAGQAAABkAAAAAAAAABcAAAAUAAAAAAAAAAAAAAD/fwAA/38AAAAAAAAJAAAABAAAAAAAAAAeAAAAaAAAAAAAAAAAAAAAAAAAAAAAAAAAAAAAECcAABAnAAAAAAAAAAAAAAAAAAAAAAAAAAAAAAAAAAAAAAAAAAAAABQAAAAAAAAAwMD/AAAAAABkAAAAMgAAAAAAAABkAAAAAAAAAH9/fwAKAAAAIgAAABgAAAAAAAAAAAAAAAAAAAAAAAAAAAAAAAAAAAAkAAAAJAAAAAAAAAAHAAAAAAAAAAAAAAAAAAAAAAAAAAAAAAAAAAAAf39/ACUAAABYAAAAAAAAAAAAAAAAAAAAAAAAAAAAAAAAAAAAAAAAAAAAAAAAAAAAAAAAAAAAAAA/AAAAAAAAAKCGAQAAAAAAAAAAAAAAAAAMAAAAAQAAAAAAAAAAAAAAAAAAAB8AAABUAAAAAAAABQAAAAEAAAAAAAAAAAAAAAAAAAAAAAAAAAAAAAAAAAAAAAAAAAAAAAJ/f38AAAAAA8zMzADAwP8Af39/AAAAAAAAAAAAAAAAAAAAAAAAAAAAIQAAABgAAAAUAAAAsw4AAMYDAACzOwAAFh0AABAAAAAmAAAACAAAAAGAAAAAAAAA"/>
               </a:ext>
             </a:extLst>
           </p:cNvSpPr>
@@ -2615,7 +2615,7 @@
             <a:spLocks noGrp="1" noChangeArrowheads="1"/>
             <a:extLst>
               <a:ext uri="smNativeData">
-                <pr:smNativeData xmlns:pr="smNativeData" xmlns="smNativeData" val="SMDATA_15_msZJaRMAAAAlAAAAZAAAAA0AAAAAkAAAAEgAAACQAAAASAAAAAAAAAAAAAAAAAAAAAEAAABQAAAAAAAAAAAA4D8AAAAAAADgPwAAAAAAAOA/AAAAAAAA4D8AAAAAAADgPwAAAAAAAOA/AAAAAAAA4D8AAAAAAADgPwAAAAAAAOA/AAAAAAAA4D8CAAAAjAAAAAAAAAAAAAAAu+DjDP///wgAAAAAAAAAAAAAAAAAAAAAAAAAAAAAAAAAAAAAZAAAAAEAAABAAAAAAAAAAAAAAAAAAAAAAAAAAAAAAAAAAAAAAAAAAAAAAAAAAAAAAAAAAAAAAAAAAAAAAAAAAAAAAAAAAAAAAAAAAAAAAAAAAAAAAAAAAAAAAAAAAAAAFAAAADwAAAAAAAAAAAAAAAAAAAkUAAAAAQAAABQAAAAUAAAAFAAAAAEAAAAAAAAAZAAAAGQAAAAAAAAAZAAAAGQAAAAVAAAAYAAAAAAAAAAAAAAADwAAACADAAAAAAAAAAAAAAEAAACgMgAAVgcAAKr4//8BAAAAf39/AAEAAABkAAAAAAAAABQAAABAHwAAAAAAACYAAAAAAAAAwOD//wAAAAAmAAAAZAAAABYAAABMAAAAAAAAAAAAAAAEAAAAAAAAAAEAAACAgIAKAAAAACgAAAAoAAAAZAAAAGQAAAAAAAAAzMzMAAAAAABQAAAAUAAAAGQAAABkAAAAAAAAABcAAAAUAAAAAAAAAAAAAAD/fwAA/38AAAAAAAAJAAAABAAAAAAAAAAeAAAAaAAAAAAAAAAAAAAAAAAAAAAAAAAAAAAAECcAABAnAAAAAAAAAAAAAAAAAAAAAAAAAAAAAAAAAAAAAAAAAAAAABQAAAAAAAAAwMD/AAAAAABkAAAAMgAAAAAAAABkAAAAAAAAAH9/fwAKAAAAIgAAABgAAAAAAAAAAAAAAAAAAAAAAAAAAAAAAAAAAAAkAAAAJAAAAAAAAAAHAAAAAAAAAAAAAAAAAAAAAAAAAAAAAAAAAAAAf39/ACUAAABYAAAAAAAAAAAAAAAAAAAAAAAAAAAAAAAAAAAAAAAAAAAAAAAAAAAAAAAAAAAAAAA/AAAAAAAAAKCGAQAAAAAAAAAAAAAAAAAMAAAAAQAAAAAAAAAAAAAAAAAAAB8AAABUAAAAAAAABQAAAAEAAAAAAAAAAAAAAAAAAAAAAAAAAAAAAAAAAAAAAAAAAAAAAAJ/f38AAAAAA8zMzADAwP8Af39/AAAAAAAAAAAAAAAAAAAAAAAAAAAAIQAAABgAAAAUAAAAsw4AAAQhAACzOwAA+CUAABAAAAAmAAAACAAAAAGAAAAAAAAA"/>
+                <pr:smNativeData xmlns:pr="smNativeData" xmlns="smNativeData" val="SMDATA_15_D/RJaRMAAAAlAAAAZAAAAA0AAAAAkAAAAEgAAACQAAAASAAAAAAAAAAAAAAAAAAAAAEAAABQAAAAAAAAAAAA4D8AAAAAAADgPwAAAAAAAOA/AAAAAAAA4D8AAAAAAADgPwAAAAAAAOA/AAAAAAAA4D8AAAAAAADgPwAAAAAAAOA/AAAAAAAA4D8CAAAAjAAAAAAAAAAAAAAAu+DjDP///wgAAAAAAAAAAAAAAAAAAAAAAAAAAAAAAAAAAAAAZAAAAAEAAABAAAAAAAAAAAAAAAAAAAAAAAAAAAAAAAAAAAAAAAAAAAAAAAAAAAAAAAAAAAAAAAAAAAAAAAAAAAAAAAAAAAAAAAAAAAAAAAAAAAAAAAAAAAAAAAAAAAAAFAAAADwAAAAAAAAAAAAAAAAAAAkUAAAAAQAAABQAAAAUAAAAFAAAAAEAAAAAAAAAZAAAAGQAAAAAAAAAZAAAAGQAAAAVAAAAYAAAAAAAAAAAAAAADwAAACADAAAAAAAAAAAAAAEAAACgMgAAVgcAAKr4//8BAAAAf39/AAEAAABkAAAAAAAAABQAAABAHwAAAAAAACYAAAAAAAAAwOD//wAAAAAmAAAAZAAAABYAAABMAAAAAAAAAAAAAAAEAAAAAAAAAAEAAACAgIAKAAAAACgAAAAoAAAAZAAAAGQAAAAAAAAAzMzMAAAAAABQAAAAUAAAAGQAAABkAAAAAAAAABcAAAAUAAAAAAAAAAAAAAD/fwAA/38AAAAAAAAJAAAABAAAAAAAAAAeAAAAaAAAAAAAAAAAAAAAAAAAAAAAAAAAAAAAECcAABAnAAAAAAAAAAAAAAAAAAAAAAAAAAAAAAAAAAAAAAAAAAAAABQAAAAAAAAAwMD/AAAAAABkAAAAMgAAAAAAAABkAAAAAAAAAH9/fwAKAAAAIgAAABgAAAAAAAAAAAAAAAAAAAAAAAAAAAAAAAAAAAAkAAAAJAAAAAAAAAAHAAAAAAAAAAAAAAAAAAAAAAAAAAAAAAAAAAAAf39/ACUAAABYAAAAAAAAAAAAAAAAAAAAAAAAAAAAAAAAAAAAAAAAAAAAAAAAAAAAAAAAAAAAAAA/AAAAAAAAAKCGAQAAAAAAAAAAAAAAAAAMAAAAAQAAAAAAAAAAAAAAAAAAAB8AAABUAAAAAAAABQAAAAEAAAAAAAAAAAAAAAAAAAAAAAAAAAAAAAAAAAAAAAAAAAAAAAJ/f38AAAAAA8zMzADAwP8Af39/AAAAAAAAAAAAAAAAAAAAAAAAAAAAIQAAABgAAAAUAAAAsw4AAAQhAACzOwAA+CUAABAAAAAmAAAACAAAAAGAAAAAAAAA"/>
               </a:ext>
             </a:extLst>
           </p:cNvSpPr>
@@ -2684,7 +2684,7 @@
             <a:spLocks noGrp="1" noChangeArrowheads="1"/>
             <a:extLst>
               <a:ext uri="smNativeData">
-                <pr:smNativeData xmlns:pr="smNativeData" xmlns="smNativeData" val="SMDATA_15_msZJaRMAAAAlAAAAZAAAAA0AAAAAkAAAAEgAAACQAAAASAAAAAAAAAABAAAAAAAAAAEAAABQAAAAAAAAAAAA4D8AAAAAAADgPwAAAAAAAOA/AAAAAAAA4D8AAAAAAADgPwAAAAAAAOA/AAAAAAAA4D8AAAAAAADgPwAAAAAAAOA/AAAAAAAA4D8CAAAAjAAAAAAAAAAAAAAAu+DjDP///wgAAAAAAAAAAAAAAAAAAAAAAAAAAAAAAAAAAAAAZAAAAAEAAABAAAAAAAAAAAAAAAAAAAAAAAAAAAAAAAAAAAAAAAAAAAAAAAAAAAAAAAAAAAAAAAAAAAAAAAAAAAAAAAAAAAAAAAAAAAAAAAAAAAAAAAAAAAAAAAAAAAAAFAAAADwAAAAAAAAAAAAAAAAAAAkUAAAAAQAAABQAAAAUAAAAFAAAAAEAAAAAAAAAZAAAAGQAAAAAAAAAZAAAAGQAAAAVAAAAYAAAAAAAAAAAAAAADwAAACADAAAAAAAAAAAAAAEAAACgMgAAVgcAAKr4//8BAAAAf39/AAEAAABkAAAAAAAAABQAAABAHwAAAAAAACYAAAAAAAAAwOD//wAAAAAmAAAAZAAAABYAAABMAAAAAAAAAAAAAAAEAAAAAAAAAAEAAACAgIAKAAAAACgAAAAoAAAAZAAAAGQAAAAAAAAAzMzMAAAAAABQAAAAUAAAAGQAAABkAAAAAAAAABcAAAAUAAAAAAAAAAAAAAD/fwAA/38AAAAAAAAJAAAABAAAAAAAAAAeAAAAaAAAAAAAAAAAAAAAAAAAAAAAAAAAAAAAECcAABAnAAAAAAAAAAAAAAAAAAAAAAAAAAAAAAAAAAAAAAAAAAAAABQAAAAAAAAAwMD/AAAAAABkAAAAMgAAAAAAAABkAAAAAAAAAH9/fwAKAAAAIgAAABgAAAAAAAAAAAAAAAAAAAAAAAAAAAAAAAAAAAAkAAAAJAAAAAAAAAAHAAAAAAAAAAAAAAAAAAAAAAAAAAAAAAAAAAAAf39/ACUAAABYAAAAAAAAAAAAAAAAAAAAAAAAAAAAAAAAAAAAAAAAAAAAAAAAAAAAAAAAAAAAAAA/AAAAAAAAAKCGAQAAAAAAAAAAAAAAAAAMAAAAAQAAAAAAAAAAAAAAAAAAAB8AAABUAAAAAAAABQAAAAEAAAAAAAAAAAAAAAAAAAAAAAAAAAAAAAAAAAAAAAAAAAAAAAJ/f38AAAAAA8zMzADAwP8Af39/AAAAAAAAAAAAAAAAAAAAAAAAAAAAIQAAABgAAAAUAAAAwAMAABsnAAA/FQAAWSkAABAAAAAmAAAACAAAAAAAAAAAAAAA"/>
+                <pr:smNativeData xmlns:pr="smNativeData" xmlns="smNativeData" val="SMDATA_15_D/RJaRMAAAAlAAAAZAAAAA0AAAAAkAAAAEgAAACQAAAASAAAAAAAAAABAAAAAAAAAAEAAABQAAAAAAAAAAAA4D8AAAAAAADgPwAAAAAAAOA/AAAAAAAA4D8AAAAAAADgPwAAAAAAAOA/AAAAAAAA4D8AAAAAAADgPwAAAAAAAOA/AAAAAAAA4D8CAAAAjAAAAAAAAAAAAAAAu+DjDP///wgAAAAAAAAAAAAAAAAAAAAAAAAAAAAAAAAAAAAAZAAAAAEAAABAAAAAAAAAAAAAAAAAAAAAAAAAAAAAAAAAAAAAAAAAAAAAAAAAAAAAAAAAAAAAAAAAAAAAAAAAAAAAAAAAAAAAAAAAAAAAAAAAAAAAAAAAAAAAAAAAAAAAFAAAADwAAAAAAAAAAAAAAAAAAAkUAAAAAQAAABQAAAAUAAAAFAAAAAEAAAAAAAAAZAAAAGQAAAAAAAAAZAAAAGQAAAAVAAAAYAAAAAAAAAAAAAAADwAAACADAAAAAAAAAAAAAAEAAACgMgAAVgcAAKr4//8BAAAAf39/AAEAAABkAAAAAAAAABQAAABAHwAAAAAAACYAAAAAAAAAwOD//wAAAAAmAAAAZAAAABYAAABMAAAAAAAAAAAAAAAEAAAAAAAAAAEAAACAgIAKAAAAACgAAAAoAAAAZAAAAGQAAAAAAAAAzMzMAAAAAABQAAAAUAAAAGQAAABkAAAAAAAAABcAAAAUAAAAAAAAAAAAAAD/fwAA/38AAAAAAAAJAAAABAAAAAAAAAAeAAAAaAAAAAAAAAAAAAAAAAAAAAAAAAAAAAAAECcAABAnAAAAAAAAAAAAAAAAAAAAAAAAAAAAAAAAAAAAAAAAAAAAABQAAAAAAAAAwMD/AAAAAABkAAAAMgAAAAAAAABkAAAAAAAAAH9/fwAKAAAAIgAAABgAAAAAAAAAAAAAAAAAAAAAAAAAAAAAAAAAAAAkAAAAJAAAAAAAAAAHAAAAAAAAAAAAAAAAAAAAAAAAAAAAAAAAAAAAf39/ACUAAABYAAAAAAAAAAAAAAAAAAAAAAAAAAAAAAAAAAAAAAAAAAAAAAAAAAAAAAAAAAAAAAA/AAAAAAAAAKCGAQAAAAAAAAAAAAAAAAAMAAAAAQAAAAAAAAAAAAAAAAAAAB8AAABUAAAAAAAABQAAAAEAAAAAAAAAAAAAAAAAAAAAAAAAAAAAAAAAAAAAAAAAAAAAAAJ/f38AAAAAA8zMzADAwP8Af39/AAAAAAAAAAAAAAAAAAAAAAAAAAAAIQAAABgAAAAUAAAAwAMAABsnAAA/FQAAWSkAABAAAAAmAAAACAAAAAAAAAAAAAAA"/>
               </a:ext>
             </a:extLst>
           </p:cNvSpPr>
@@ -2698,7 +2698,7 @@
           <a:lstStyle/>
           <a:p>
             <a:pPr/>
-            <a:fld id="{0DCF1AE1-AFE0-9AEC-AE77-59B95439580C}" type="datetime1">
+            <a:fld id="{0C3DB2B6-F8E1-6844-AF85-0E11FCCB595B}" type="datetime1">
               <a:t>12/16/2025</a:t>
             </a:fld>
           </a:p>
@@ -2711,7 +2711,7 @@
             <a:spLocks noGrp="1" noChangeArrowheads="1"/>
             <a:extLst>
               <a:ext uri="smNativeData">
-                <pr:smNativeData xmlns:pr="smNativeData" xmlns="smNativeData" val="SMDATA_15_msZJaRMAAAAlAAAAZAAAAA0AAAAAkAAAAEgAAACQAAAASAAAAAAAAAABAAAAAAAAAAEAAABQAAAAAAAAAAAA4D8AAAAAAADgPwAAAAAAAOA/AAAAAAAA4D8AAAAAAADgPwAAAAAAAOA/AAAAAAAA4D8AAAAAAADgPwAAAAAAAOA/AAAAAAAA4D8CAAAAjAAAAAAAAAAAAAAAu+DjDP///wgAAAAAAAAAAAAAAAAAAAAAAAAAAAAAAAAAAAAAZAAAAAEAAABAAAAAAAAAAAAAAAAAAAAAAAAAAAAAAAAAAAAAAAAAAAAAAAAAAAAAAAAAAAAAAAAAAAAAAAAAAAAAAAAAAAAAAAAAAAAAAAAAAAAAAAAAAAAAAAAAAAAAFAAAADwAAAAAAAAAAAAAAAAAAAkUAAAAAQAAABQAAAAUAAAAFAAAAAEAAAAAAAAAZAAAAGQAAAAAAAAAZAAAAGQAAAAVAAAAYAAAAAAAAAAAAAAADwAAACADAAAAAAAAAAAAAAEAAACgMgAAVgcAAKr4//8BAAAAf39/AAEAAABkAAAAAAAAABQAAABAHwAAAAAAACYAAAAAAAAAwOD//wAAAAAmAAAAZAAAABYAAABMAAAAAAAAAAAAAAAEAAAAAAAAAAEAAACAgIAKAAAAACgAAAAoAAAAZAAAAGQAAAAAAAAAzMzMAAAAAABQAAAAUAAAAGQAAABkAAAAAAAAABcAAAAUAAAAAAAAAAAAAAD/fwAA/38AAAAAAAAJAAAABAAAAAAAAAAeAAAAaAAAAAAAAAAAAAAAAAAAAAAAAAAAAAAAECcAABAnAAAAAAAAAAAAAAAAAAAAAAAAAAAAAAAAAAAAAAAAAAAAABQAAAAAAAAAwMD/AAAAAABkAAAAMgAAAAAAAABkAAAAAAAAAH9/fwAKAAAAIgAAABgAAAAAAAAAAAAAAAAAAAAAAAAAAAAAAAAAAAAkAAAAJAAAAAAAAAAHAAAAAAAAAAAAAAAAAAAAAAAAAAAAAAAAAAAAf39/ACUAAABYAAAAAAAAAAAAAAAAAAAAAAAAAAAAAAAAAAAAAAAAAAAAAAAAAAAAAAAAAAAAAAA/AAAAAAAAAKCGAQAAAAAAAAAAAAAAAAAMAAAAAQAAAAAAAAAAAAAAAAAAAB8AAABUAAAAAAAABQAAAAEAAAAAAAAAAAAAAAAAAAAAAAAAAAAAAAAAAAAAAAAAAAAAAAJ/f38AAAAAA8zMzADAwP8Af39/AAAAAAAAAAAAAAAAAAAAAAAAAAAAIQAAABgAAAAUAAAAoRkAABsnAABfMQAAWSkAABAAAAAmAAAACAAAAAAAAAAAAAAA"/>
+                <pr:smNativeData xmlns:pr="smNativeData" xmlns="smNativeData" val="SMDATA_15_D/RJaRMAAAAlAAAAZAAAAA0AAAAAkAAAAEgAAACQAAAASAAAAAAAAAABAAAAAAAAAAEAAABQAAAAAAAAAAAA4D8AAAAAAADgPwAAAAAAAOA/AAAAAAAA4D8AAAAAAADgPwAAAAAAAOA/AAAAAAAA4D8AAAAAAADgPwAAAAAAAOA/AAAAAAAA4D8CAAAAjAAAAAAAAAAAAAAAu+DjDP///wgAAAAAAAAAAAAAAAAAAAAAAAAAAAAAAAAAAAAAZAAAAAEAAABAAAAAAAAAAAAAAAAAAAAAAAAAAAAAAAAAAAAAAAAAAAAAAAAAAAAAAAAAAAAAAAAAAAAAAAAAAAAAAAAAAAAAAAAAAAAAAAAAAAAAAAAAAAAAAAAAAAAAFAAAADwAAAAAAAAAAAAAAAAAAAkUAAAAAQAAABQAAAAUAAAAFAAAAAEAAAAAAAAAZAAAAGQAAAAAAAAAZAAAAGQAAAAVAAAAYAAAAAAAAAAAAAAADwAAACADAAAAAAAAAAAAAAEAAACgMgAAVgcAAKr4//8BAAAAf39/AAEAAABkAAAAAAAAABQAAABAHwAAAAAAACYAAAAAAAAAwOD//wAAAAAmAAAAZAAAABYAAABMAAAAAAAAAAAAAAAEAAAAAAAAAAEAAACAgIAKAAAAACgAAAAoAAAAZAAAAGQAAAAAAAAAzMzMAAAAAABQAAAAUAAAAGQAAABkAAAAAAAAABcAAAAUAAAAAAAAAAAAAAD/fwAA/38AAAAAAAAJAAAABAAAAAAAAAAeAAAAaAAAAAAAAAAAAAAAAAAAAAAAAAAAAAAAECcAABAnAAAAAAAAAAAAAAAAAAAAAAAAAAAAAAAAAAAAAAAAAAAAABQAAAAAAAAAwMD/AAAAAABkAAAAMgAAAAAAAABkAAAAAAAAAH9/fwAKAAAAIgAAABgAAAAAAAAAAAAAAAAAAAAAAAAAAAAAAAAAAAAkAAAAJAAAAAAAAAAHAAAAAAAAAAAAAAAAAAAAAAAAAAAAAAAAAAAAf39/ACUAAABYAAAAAAAAAAAAAAAAAAAAAAAAAAAAAAAAAAAAAAAAAAAAAAAAAAAAAAAAAAAAAAA/AAAAAAAAAKCGAQAAAAAAAAAAAAAAAAAMAAAAAQAAAAAAAAAAAAAAAAAAAB8AAABUAAAAAAAABQAAAAEAAAAAAAAAAAAAAAAAAAAAAAAAAAAAAAAAAAAAAAAAAAAAAAJ/f38AAAAAA8zMzADAwP8Af39/AAAAAAAAAAAAAAAAAAAAAAAAAAAAIQAAABgAAAAUAAAAoRkAABsnAABfMQAAWSkAABAAAAAmAAAACAAAAAAAAAAAAAAA"/>
               </a:ext>
             </a:extLst>
           </p:cNvSpPr>
@@ -2735,7 +2735,7 @@
             <a:spLocks noGrp="1" noChangeArrowheads="1"/>
             <a:extLst>
               <a:ext uri="smNativeData">
-                <pr:smNativeData xmlns:pr="smNativeData" xmlns="smNativeData" val="SMDATA_15_msZJaRMAAAAlAAAAZAAAAA0AAAAAkAAAAEgAAACQAAAASAAAAAAAAAABAAAAAAAAAAEAAABQAAAAAAAAAAAA4D8AAAAAAADgPwAAAAAAAOA/AAAAAAAA4D8AAAAAAADgPwAAAAAAAOA/AAAAAAAA4D8AAAAAAADgPwAAAAAAAOA/AAAAAAAA4D8CAAAAjAAAAAAAAAAAAAAAu+DjDP///wgAAAAAAAAAAAAAAAAAAAAAAAAAAAAAAAAAAAAAZAAAAAEAAABAAAAAAAAAAAAAAAAAAAAAAAAAAAAAAAAAAAAAAAAAAAAAAAAAAAAAAAAAAAAAAAAAAAAAAAAAAAAAAAAAAAAAAAAAAAAAAAAAAAAAAAAAAAAAAAAAAAAAFAAAADwAAAAAAAAAAAAAAAAAAAkUAAAAAQAAABQAAAAUAAAAFAAAAAEAAAAAAAAAZAAAAGQAAAAAAAAAZAAAAGQAAAAVAAAAYAAAAAAAAAAAAAAADwAAACADAAAAAAAAAAAAAAEAAACgMgAAVgcAAKr4//8BAAAAf39/AAEAAABkAAAAAAAAABQAAABAHwAAAAAAACYAAAAAAAAAwOD//wAAAAAmAAAAZAAAABYAAABMAAAAAAAAAAAAAAAEAAAAAAAAAAEAAACAgIAKAAAAACgAAAAoAAAAZAAAAGQAAAAAAAAAzMzMAAAAAABQAAAAUAAAAGQAAABkAAAAAAAAABcAAAAUAAAAAAAAAAAAAAD/fwAA/38AAAAAAAAJAAAABAAAAAAAAAAeAAAAaAAAAAAAAAAAAAAAAAAAAAAAAAAAAAAAECcAABAnAAAAAAAAAAAAAAAAAAAAAAAAAAAAAAAAAAAAAAAAAAAAABQAAAAAAAAAwMD/AAAAAABkAAAAMgAAAAAAAABkAAAAAAAAAH9/fwAKAAAAIgAAABgAAAAAAAAAAAAAAAAAAAAAAAAAAAAAAAAAAAAkAAAAJAAAAAAAAAAHAAAAAAAAAAAAAAAAAAAAAAAAAAAAAAAAAAAAf39/ACUAAABYAAAAAAAAAAAAAAAAAAAAAAAAAAAAAAAAAAAAAAAAAAAAAAAAAAAAAAAAAAAAAAA/AAAAAAAAAKCGAQAAAAAAAAAAAAAAAAAMAAAAAQAAAAAAAAAAAAAAAAAAAB8AAABUAAAAAAAABQAAAAEAAAAAAAAAAAAAAAAAAAAAAAAAAAAAAAAAAAAAAAAAAAAAAAJ/f38AAAAAA8zMzADAwP8Af39/AAAAAAAAAAAAAAAAAAAAAAAAAAAAIQAAABgAAAAUAAAAwTUAABsnAABARwAAWSkAABAAAAAmAAAACAAAAAAAAAAAAAAA"/>
+                <pr:smNativeData xmlns:pr="smNativeData" xmlns="smNativeData" val="SMDATA_15_D/RJaRMAAAAlAAAAZAAAAA0AAAAAkAAAAEgAAACQAAAASAAAAAAAAAABAAAAAAAAAAEAAABQAAAAAAAAAAAA4D8AAAAAAADgPwAAAAAAAOA/AAAAAAAA4D8AAAAAAADgPwAAAAAAAOA/AAAAAAAA4D8AAAAAAADgPwAAAAAAAOA/AAAAAAAA4D8CAAAAjAAAAAAAAAAAAAAAu+DjDP///wgAAAAAAAAAAAAAAAAAAAAAAAAAAAAAAAAAAAAAZAAAAAEAAABAAAAAAAAAAAAAAAAAAAAAAAAAAAAAAAAAAAAAAAAAAAAAAAAAAAAAAAAAAAAAAAAAAAAAAAAAAAAAAAAAAAAAAAAAAAAAAAAAAAAAAAAAAAAAAAAAAAAAFAAAADwAAAAAAAAAAAAAAAAAAAkUAAAAAQAAABQAAAAUAAAAFAAAAAEAAAAAAAAAZAAAAGQAAAAAAAAAZAAAAGQAAAAVAAAAYAAAAAAAAAAAAAAADwAAACADAAAAAAAAAAAAAAEAAACgMgAAVgcAAKr4//8BAAAAf39/AAEAAABkAAAAAAAAABQAAABAHwAAAAAAACYAAAAAAAAAwOD//wAAAAAmAAAAZAAAABYAAABMAAAAAAAAAAAAAAAEAAAAAAAAAAEAAACAgIAKAAAAACgAAAAoAAAAZAAAAGQAAAAAAAAAzMzMAAAAAABQAAAAUAAAAGQAAABkAAAAAAAAABcAAAAUAAAAAAAAAAAAAAD/fwAA/38AAAAAAAAJAAAABAAAAAAAAAAeAAAAaAAAAAAAAAAAAAAAAAAAAAAAAAAAAAAAECcAABAnAAAAAAAAAAAAAAAAAAAAAAAAAAAAAAAAAAAAAAAAAAAAABQAAAAAAAAAwMD/AAAAAABkAAAAMgAAAAAAAABkAAAAAAAAAH9/fwAKAAAAIgAAABgAAAAAAAAAAAAAAAAAAAAAAAAAAAAAAAAAAAAkAAAAJAAAAAAAAAAHAAAAAAAAAAAAAAAAAAAAAAAAAAAAAAAAAAAAf39/ACUAAABYAAAAAAAAAAAAAAAAAAAAAAAAAAAAAAAAAAAAAAAAAAAAAAAAAAAAAAAAAAAAAAA/AAAAAAAAAKCGAQAAAAAAAAAAAAAAAAAMAAAAAQAAAAAAAAAAAAAAAAAAAB8AAABUAAAAAAAABQAAAAEAAAAAAAAAAAAAAAAAAAAAAAAAAAAAAAAAAAAAAAAAAAAAAAJ/f38AAAAAA8zMzADAwP8Af39/AAAAAAAAAAAAAAAAAAAAAAAAAAAAIQAAABgAAAAUAAAAwTUAABsnAABARwAAWSkAABAAAAAmAAAACAAAAAAAAAAAAAAA"/>
               </a:ext>
             </a:extLst>
           </p:cNvSpPr>
@@ -2749,7 +2749,7 @@
           <a:lstStyle/>
           <a:p>
             <a:pPr/>
-            <a:fld id="{0DCF1F09-47E0-9AE9-AE77-B1BC513958E4}" type="slidenum">
+            <a:fld id="{0C3D8C28-66E1-687A-AF85-902FC2CB59C5}" type="slidenum">
               <a:t>‹#›</a:t>
             </a:fld>
           </a:p>
@@ -2796,7 +2796,7 @@
             <a:spLocks noGrp="1" noChangeArrowheads="1"/>
             <a:extLst>
               <a:ext uri="smNativeData">
-                <pr:smNativeData xmlns:pr="smNativeData" xmlns="smNativeData" val="SMDATA_15_msZJaRMAAAAlAAAAZAAAAA0AAAAAkAAAAEgAAACQAAAASAAAAAAAAAABAAAAAAAAAAEAAABQAAAAAAAAAAAA4D8AAAAAAADgPwAAAAAAAOA/AAAAAAAA4D8AAAAAAADgPwAAAAAAAOA/AAAAAAAA4D8AAAAAAADgPwAAAAAAAOA/AAAAAAAA4D8CAAAAjAAAAAAAAAAAAAAAu+DjDP///wgAAAAAAAAAAAAAAAAAAAAAAAAAAAAAAAAAAAAAZAAAAAEAAABAAAAAAAAAAAAAAAAAAAAAAAAAAAAAAAAAAAAAAAAAAAAAAAAAAAAAAAAAAAAAAAAAAAAAAAAAAAAAAAAAAAAAAAAAAAAAAAAAAAAAAAAAAAAAAAAAAAAAFAAAADwAAAAAAAAAAAAAAAAAAAkUAAAAAQAAABQAAAAUAAAAFAAAAAEAAAAAAAAAZAAAAGQAAAAAAAAAZAAAAGQAAAAVAAAAYAAAAAAAAAAAAAAADwAAACADAAAAAAAAAAAAAAEAAACgMgAAVgcAAKr4//8BAAAAf39/AAEAAABkAAAAAAAAABQAAABAHwAAAAAAACYAAAAAAAAAwOD//wAAAAAmAAAAZAAAABYAAABMAAAAAAAAAAAAAAAEAAAAAAAAAAEAAACAgIAKAAAAACgAAAAoAAAAZAAAAGQAAAAAAAAAzMzMAAAAAABQAAAAUAAAAGQAAABkAAAAAAAAABcAAAAUAAAAAAAAAAAAAAD/fwAA/38AAAAAAAAJAAAABAAAAGxpY2keAAAAaAAAAAAAAAAAAAAAAAAAAAAAAAAAAAAAECcAABAnAAAAAAAAAAAAAAAAAAAAAAAAAAAAAAAAAAAAAAAAAAAAABQAAAAAAAAAwMD/AAAAAABkAAAAMgAAAAAAAABkAAAAAAAAAH9/fwAKAAAAIgAAABgAAAAAAAAAAAAAAAAAAAAAAAAAAAAAAAAAAAAkAAAAJAAAAAAAAAAHAAAAAAAAAAAAAAAAAAAAAAAAAAAAAAAAAAAAf39/ACUAAABYAAAAAAAAAAAAAAAAAAAAAAAAAAAAAAAAAAAAAAAAAAAAAAAAAAAAAAAAAAAAAAA/AAAAAAAAAKCGAQAAAAAAAAAAAAAAAAAMAAAAAQAAAAAAAAAAAAAAAAAAAB8AAABUAAAAAAAABQAAAAEAAAAAAAAAAAAAAAAAAAAAAAAAAAAAAAAAAAAAAAAAAAAAAAJ/f38AAAAAA8zMzADAwP8Af39/AAAAAAAAAAAAAAAAAAAAAAAAAAAAIQAAABgAAAAUAAAAwAMAALABAABARwAAuAgAABAAAAAmAAAACAAAAIMfAAD//8EB"/>
+                <pr:smNativeData xmlns:pr="smNativeData" xmlns="smNativeData" val="SMDATA_15_D/RJaRMAAAAlAAAAZAAAAA0AAAAAkAAAAEgAAACQAAAASAAAAAAAAAABAAAAAAAAAAEAAABQAAAAAAAAAAAA4D8AAAAAAADgPwAAAAAAAOA/AAAAAAAA4D8AAAAAAADgPwAAAAAAAOA/AAAAAAAA4D8AAAAAAADgPwAAAAAAAOA/AAAAAAAA4D8CAAAAjAAAAAAAAAAAAAAAu+DjDP///wgAAAAAAAAAAAAAAAAAAAAAAAAAAAAAAAAAAAAAZAAAAAEAAABAAAAAAAAAAAAAAAAAAAAAAAAAAAAAAAAAAAAAAAAAAAAAAAAAAAAAAAAAAAAAAAAAAAAAAAAAAAAAAAAAAAAAAAAAAAAAAAAAAAAAAAAAAAAAAAAAAAAAFAAAADwAAAAAAAAAAAAAAAAAAAkUAAAAAQAAABQAAAAUAAAAFAAAAAEAAAAAAAAAZAAAAGQAAAAAAAAAZAAAAGQAAAAVAAAAYAAAAAAAAAAAAAAADwAAACADAAAAAAAAAAAAAAEAAACgMgAAVgcAAKr4//8BAAAAf39/AAEAAABkAAAAAAAAABQAAABAHwAAAAAAACYAAAAAAAAAwOD//wAAAAAmAAAAZAAAABYAAABMAAAAAAAAAAAAAAAEAAAAAAAAAAEAAACAgIAKAAAAACgAAAAoAAAAZAAAAGQAAAAAAAAAzMzMAAAAAABQAAAAUAAAAGQAAABkAAAAAAAAABcAAAAUAAAAAAAAAAAAAAD/fwAA/38AAAAAAAAJAAAABAAAAGxpY2keAAAAaAAAAAAAAAAAAAAAAAAAAAAAAAAAAAAAECcAABAnAAAAAAAAAAAAAAAAAAAAAAAAAAAAAAAAAAAAAAAAAAAAABQAAAAAAAAAwMD/AAAAAABkAAAAMgAAAAAAAABkAAAAAAAAAH9/fwAKAAAAIgAAABgAAAAAAAAAAAAAAAAAAAAAAAAAAAAAAAAAAAAkAAAAJAAAAAAAAAAHAAAAAAAAAAAAAAAAAAAAAAAAAAAAAAAAAAAAf39/ACUAAABYAAAAAAAAAAAAAAAAAAAAAAAAAAAAAAAAAAAAAAAAAAAAAAAAAAAAAAAAAAAAAAA/AAAAAAAAAKCGAQAAAAAAAAAAAAAAAAAMAAAAAQAAAAAAAAAAAAAAAAAAAB8AAABUAAAAAAAABQAAAAEAAAAAAAAAAAAAAAAAAAAAAAAAAAAAAAAAAAAAAAAAAAAAAAJ/f38AAAAAA8zMzADAwP8Af39/AAAAAAAAAAAAAAAAAAAAAAAAAAAAIQAAABgAAAAUAAAAwAMAALABAABARwAAuAgAABAAAAAmAAAACAAAAIMfAAD//8EB"/>
               </a:ext>
             </a:extLst>
           </p:cNvSpPr>
@@ -2840,7 +2840,7 @@
             <a:spLocks noGrp="1" noChangeArrowheads="1"/>
             <a:extLst>
               <a:ext uri="smNativeData">
-                <pr:smNativeData xmlns:pr="smNativeData" xmlns="smNativeData" val="SMDATA_15_msZJaRMAAAAlAAAAZAAAAA0AAAAAkAAAAEgAAACQAAAASAAAAAAAAAAAAAAAAAAAAAEAAABQAAAAAAAAAAAA4D8AAAAAAADgPwAAAAAAAOA/AAAAAAAA4D8AAAAAAADgPwAAAAAAAOA/AAAAAAAA4D8AAAAAAADgPwAAAAAAAOA/AAAAAAAA4D8CAAAAjAAAAAAAAAAAAAAAu+DjDP///wgAAAAAAAAAAAAAAAAAAAAAAAAAAAAAAAAAAAAAZAAAAAEAAABAAAAAAAAAAAAAAAAAAAAAAAAAAAAAAAAAAAAAAAAAAAAAAAAAAAAAAAAAAAAAAAAAAAAAAAAAAAAAAAAAAAAAAAAAAAAAAAAAAAAAAAAAAAAAAAAAAAAAFAAAADwAAAAAAAAAAAAAAAAAAAkUAAAAAQAAABQAAAAUAAAAFAAAAAEAAAAAAAAAZAAAAGQAAAAAAAAAZAAAAGQAAAAVAAAAYAAAAAAAAAAAAAAADwAAACADAAAAAAAAAAAAAAEAAACgMgAAVgcAAKr4//8BAAAAf39/AAEAAABkAAAAAAAAABQAAABAHwAAAAAAACYAAAAAAAAAwOD//wAAAAAmAAAAZAAAABYAAABMAAAAAAAAAAAAAAAEAAAAAAAAAAEAAACAgIAKAAAAACgAAAAoAAAAZAAAAGQAAAAAAAAAzMzMAAAAAABQAAAAUAAAAGQAAABkAAAAAAAAABcAAAAUAAAAAAAAAAAAAAD/fwAA/38AAAAAAAAJAAAABAAAAGxpY2keAAAAaAAAAAAAAAAAAAAAAAAAAAAAAAAAAAAAECcAABAnAAAAAAAAAAAAAAAAAAAAAAAAAAAAAAAAAAAAAAAAAAAAABQAAAAAAAAAwMD/AAAAAABkAAAAMgAAAAAAAABkAAAAAAAAAH9/fwAKAAAAIgAAABgAAAAAAAAAAAAAAAAAAAAAAAAAAAAAAAAAAAAkAAAAJAAAAAAAAAAHAAAAAAAAAAAAAAAAAAAAAAAAAAAAAAAAAAAAf39/ACUAAABYAAAAAAAAAAAAAAAAAAAAAAAAAAAAAAAAAAAAAAAAAAAAAAAAAAAAAAAAAAAAAAA/AAAAAAAAAKCGAQAAAAAAAAAAAAAAAAAMAAAAAQAAAAAAAAAAAAAAAAAAAB8AAABUAAAAAAAABQAAAAEAAAAAAAAAAAAAAAAAAAAAAAAAAAAAAAAAAAAAAAAAAAAAAAJ/f38AAAAAA8zMzADAwP8Af39/AAAAAAAAAAAAAAAAAAAAAAAAAAAAIQAAABgAAAAUAAAAwAMAANgJAABARwAAsCUAABAAAAAmAAAACAAAAIMfAAD//8EB"/>
+                <pr:smNativeData xmlns:pr="smNativeData" xmlns="smNativeData" val="SMDATA_15_D/RJaRMAAAAlAAAAZAAAAA0AAAAAkAAAAEgAAACQAAAASAAAAAAAAAAAAAAAAAAAAAEAAABQAAAAAAAAAAAA4D8AAAAAAADgPwAAAAAAAOA/AAAAAAAA4D8AAAAAAADgPwAAAAAAAOA/AAAAAAAA4D8AAAAAAADgPwAAAAAAAOA/AAAAAAAA4D8CAAAAjAAAAAAAAAAAAAAAu+DjDP///wgAAAAAAAAAAAAAAAAAAAAAAAAAAAAAAAAAAAAAZAAAAAEAAABAAAAAAAAAAAAAAAAAAAAAAAAAAAAAAAAAAAAAAAAAAAAAAAAAAAAAAAAAAAAAAAAAAAAAAAAAAAAAAAAAAAAAAAAAAAAAAAAAAAAAAAAAAAAAAAAAAAAAFAAAADwAAAAAAAAAAAAAAAAAAAkUAAAAAQAAABQAAAAUAAAAFAAAAAEAAAAAAAAAZAAAAGQAAAAAAAAAZAAAAGQAAAAVAAAAYAAAAAAAAAAAAAAADwAAACADAAAAAAAAAAAAAAEAAACgMgAAVgcAAKr4//8BAAAAf39/AAEAAABkAAAAAAAAABQAAABAHwAAAAAAACYAAAAAAAAAwOD//wAAAAAmAAAAZAAAABYAAABMAAAAAAAAAAAAAAAEAAAAAAAAAAEAAACAgIAKAAAAACgAAAAoAAAAZAAAAGQAAAAAAAAAzMzMAAAAAABQAAAAUAAAAGQAAABkAAAAAAAAABcAAAAUAAAAAAAAAAAAAAD/fwAA/38AAAAAAAAJAAAABAAAAGxpY2keAAAAaAAAAAAAAAAAAAAAAAAAAAAAAAAAAAAAECcAABAnAAAAAAAAAAAAAAAAAAAAAAAAAAAAAAAAAAAAAAAAAAAAABQAAAAAAAAAwMD/AAAAAABkAAAAMgAAAAAAAABkAAAAAAAAAH9/fwAKAAAAIgAAABgAAAAAAAAAAAAAAAAAAAAAAAAAAAAAAAAAAAAkAAAAJAAAAAAAAAAHAAAAAAAAAAAAAAAAAAAAAAAAAAAAAAAAAAAAf39/ACUAAABYAAAAAAAAAAAAAAAAAAAAAAAAAAAAAAAAAAAAAAAAAAAAAAAAAAAAAAAAAAAAAAA/AAAAAAAAAKCGAQAAAAAAAAAAAAAAAAAMAAAAAQAAAAAAAAAAAAAAAAAAAB8AAABUAAAAAAAABQAAAAEAAAAAAAAAAAAAAAAAAAAAAAAAAAAAAAAAAAAAAAAAAAAAAAJ/f38AAAAAA8zMzADAwP8Af39/AAAAAAAAAAAAAAAAAAAAAAAAAAAAIQAAABgAAAAUAAAAwAMAANgJAABARwAAsCUAABAAAAAmAAAACAAAAIMfAAD//8EB"/>
               </a:ext>
             </a:extLst>
           </p:cNvSpPr>
@@ -2908,7 +2908,7 @@
             <a:spLocks noGrp="1" noChangeArrowheads="1"/>
             <a:extLst>
               <a:ext uri="smNativeData">
-                <pr:smNativeData xmlns:pr="smNativeData" xmlns="smNativeData" val="SMDATA_15_msZJaRMAAAAlAAAAZAAAAA0AAAAAkAAAAEgAAACQAAAASAAAAAAAAAABAAAAAAAAAAEAAABQAAAAAAAAAAAA4D8AAAAAAADgPwAAAAAAAOA/AAAAAAAA4D8AAAAAAADgPwAAAAAAAOA/AAAAAAAA4D8AAAAAAADgPwAAAAAAAOA/AAAAAAAA4D8CAAAAjAAAAAAAAAAAAAAAu+DjDP///wgAAAAAAAAAAAAAAAAAAAAAAAAAAAAAAAAAAAAAZAAAAAEAAABAAAAAAAAAAAAAAAAAAAAAAAAAAAAAAAAAAAAAAAAAAAAAAAAAAAAAAAAAAAAAAAAAAAAAAAAAAAAAAAAAAAAAAAAAAAAAAAAAAAAAAAAAAAAAAAAAAAAAFAAAADwAAAAAAAAAAAAAAAAAAAkUAAAAAQAAABQAAAAUAAAAFAAAAAEAAAAAAAAAZAAAAGQAAAAAAAAAZAAAAGQAAAAVAAAAYAAAAAAAAAAAAAAADwAAACADAAAAAAAAAAAAAAEAAACgMgAAVgcAAKr4//8BAAAAf39/AAEAAABkAAAAAAAAABQAAABAHwAAAAAAACYAAAAAAAAAwOD//wAAAAAmAAAAZAAAABYAAABMAAAAAAAAAAAAAAAEAAAAAAAAAAEAAACAgIAKAAAAACgAAAAoAAAAZAAAAGQAAAAAAAAAzMzMAAAAAABQAAAAUAAAAGQAAABkAAAAAAAAABcAAAAUAAAAAAAAAAAAAAD/fwAA/38AAAAAAAAJAAAABAAAAE1hc3QeAAAAaAAAAAAAAAAAAAAAAAAAAAAAAAAAAAAAECcAABAnAAAAAAAAAAAAAAAAAAAAAAAAAAAAAAAAAAAAAAAAAAAAABQAAAAAAAAAwMD/AAAAAABkAAAAMgAAAAAAAABkAAAAAAAAAH9/fwAKAAAAIgAAABgAAAAAAAAAAAAAAAAAAAAAAAAAAAAAAAAAAAAkAAAAJAAAAAAAAAAHAAAAAAAAAAAAAAAAAAAAAAAAAAAAAAAAAAAAf39/ACUAAABYAAAAAAAAAAAAAAAAAAAAAAAAAAAAAAAAAAAAAAAAAAAAAAAAAAAAAAAAAAAAAAA/AAAAAAAAAKCGAQAAAAAAAAAAAAAAAAAMAAAAAQAAAAAAAAAAAAAAAAAAAB8AAABUAAAAAAAABQAAAAEAAAAAAAAAAAAAAAAAAAAAAAAAAAAAAAAAAAAAAAAAAAAAAAJ/f38AAAAAA8zMzADAwP8Af39/AAAAAAAAAAAAAAAAAAAAAAAAAAAAIQAAABgAAAAUAAAAwAMAABsnAAA/FQAAWSkAABAAAAAmAAAACAAAAIOfAAD//8EB"/>
+                <pr:smNativeData xmlns:pr="smNativeData" xmlns="smNativeData" val="SMDATA_15_D/RJaRMAAAAlAAAAZAAAAA0AAAAAkAAAAEgAAACQAAAASAAAAAAAAAABAAAAAAAAAAEAAABQAAAAAAAAAAAA4D8AAAAAAADgPwAAAAAAAOA/AAAAAAAA4D8AAAAAAADgPwAAAAAAAOA/AAAAAAAA4D8AAAAAAADgPwAAAAAAAOA/AAAAAAAA4D8CAAAAjAAAAAAAAAAAAAAAu+DjDP///wgAAAAAAAAAAAAAAAAAAAAAAAAAAAAAAAAAAAAAZAAAAAEAAABAAAAAAAAAAAAAAAAAAAAAAAAAAAAAAAAAAAAAAAAAAAAAAAAAAAAAAAAAAAAAAAAAAAAAAAAAAAAAAAAAAAAAAAAAAAAAAAAAAAAAAAAAAAAAAAAAAAAAFAAAADwAAAAAAAAAAAAAAAAAAAkUAAAAAQAAABQAAAAUAAAAFAAAAAEAAAAAAAAAZAAAAGQAAAAAAAAAZAAAAGQAAAAVAAAAYAAAAAAAAAAAAAAADwAAACADAAAAAAAAAAAAAAEAAACgMgAAVgcAAKr4//8BAAAAf39/AAEAAABkAAAAAAAAABQAAABAHwAAAAAAACYAAAAAAAAAwOD//wAAAAAmAAAAZAAAABYAAABMAAAAAAAAAAAAAAAEAAAAAAAAAAEAAACAgIAKAAAAACgAAAAoAAAAZAAAAGQAAAAAAAAAzMzMAAAAAABQAAAAUAAAAGQAAABkAAAAAAAAABcAAAAUAAAAAAAAAAAAAAD/fwAA/38AAAAAAAAJAAAABAAAAE1hc3QeAAAAaAAAAAAAAAAAAAAAAAAAAAAAAAAAAAAAECcAABAnAAAAAAAAAAAAAAAAAAAAAAAAAAAAAAAAAAAAAAAAAAAAABQAAAAAAAAAwMD/AAAAAABkAAAAMgAAAAAAAABkAAAAAAAAAH9/fwAKAAAAIgAAABgAAAAAAAAAAAAAAAAAAAAAAAAAAAAAAAAAAAAkAAAAJAAAAAAAAAAHAAAAAAAAAAAAAAAAAAAAAAAAAAAAAAAAAAAAf39/ACUAAABYAAAAAAAAAAAAAAAAAAAAAAAAAAAAAAAAAAAAAAAAAAAAAAAAAAAAAAAAAAAAAAA/AAAAAAAAAKCGAQAAAAAAAAAAAAAAAAAMAAAAAQAAAAAAAAAAAAAAAAAAAB8AAABUAAAAAAAABQAAAAEAAAAAAAAAAAAAAAAAAAAAAAAAAAAAAAAAAAAAAAAAAAAAAAJ/f38AAAAAA8zMzADAwP8Af39/AAAAAAAAAAAAAAAAAAAAAAAAAAAAIQAAABgAAAAUAAAAwAMAABsnAAA/FQAAWSkAABAAAAAmAAAACAAAAIOfAAD//8EB"/>
               </a:ext>
             </a:extLst>
           </p:cNvSpPr>
@@ -2943,7 +2943,7 @@
           </a:lstStyle>
           <a:p>
             <a:pPr/>
-            <a:fld id="{0DCF2C15-5BE0-9ADA-AE77-AD8F623958F8}" type="datetime1">
+            <a:fld id="{0C3DC480-CEE1-6832-AF85-38678ACB596D}" type="datetime1">
               <a:t/>
             </a:fld>
           </a:p>
@@ -2956,7 +2956,7 @@
             <a:spLocks noGrp="1" noChangeArrowheads="1"/>
             <a:extLst>
               <a:ext uri="smNativeData">
-                <pr:smNativeData xmlns:pr="smNativeData" xmlns="smNativeData" val="SMDATA_15_msZJaRMAAAAlAAAAZAAAAA0AAAAAkAAAAEgAAACQAAAASAAAAAAAAAABAAAAAAAAAAEAAABQAAAAAAAAAAAA4D8AAAAAAADgPwAAAAAAAOA/AAAAAAAA4D8AAAAAAADgPwAAAAAAAOA/AAAAAAAA4D8AAAAAAADgPwAAAAAAAOA/AAAAAAAA4D8CAAAAjAAAAAAAAAAAAAAAu+DjDP///wgAAAAAAAAAAAAAAAAAAAAAAAAAAAAAAAAAAAAAZAAAAAEAAABAAAAAAAAAAAAAAAAAAAAAAAAAAAAAAAAAAAAAAAAAAAAAAAAAAAAAAAAAAAAAAAAAAAAAAAAAAAAAAAAAAAAAAAAAAAAAAAAAAAAAAAAAAAAAAAAAAAAAFAAAADwAAAAAAAAAAAAAAAAAAAkUAAAAAQAAABQAAAAUAAAAFAAAAAEAAAAAAAAAZAAAAGQAAAAAAAAAZAAAAGQAAAAVAAAAYAAAAAAAAAAAAAAADwAAACADAAAAAAAAAAAAAAEAAACgMgAAVgcAAKr4//8BAAAAf39/AAEAAABkAAAAAAAAABQAAABAHwAAAAAAACYAAAAAAAAAwOD//wAAAAAmAAAAZAAAABYAAABMAAAAAAAAAAAAAAAEAAAAAAAAAAEAAACAgIAKAAAAACgAAAAoAAAAZAAAAGQAAAAAAAAAzMzMAAAAAABQAAAAUAAAAGQAAABkAAAAAAAAABcAAAAUAAAAAAAAAAAAAAD/fwAA/38AAAAAAAAJAAAABAAAAE1hc3QeAAAAaAAAAAAAAAAAAAAAAAAAAAAAAAAAAAAAECcAABAnAAAAAAAAAAAAAAAAAAAAAAAAAAAAAAAAAAAAAAAAAAAAABQAAAAAAAAAwMD/AAAAAABkAAAAMgAAAAAAAABkAAAAAAAAAH9/fwAKAAAAIgAAABgAAAAAAAAAAAAAAAAAAAAAAAAAAAAAAAAAAAAkAAAAJAAAAAAAAAAHAAAAAAAAAAAAAAAAAAAAAAAAAAAAAAAAAAAAf39/ACUAAABYAAAAAAAAAAAAAAAAAAAAAAAAAAAAAAAAAAAAAAAAAAAAAAAAAAAAAAAAAAAAAAA/AAAAAAAAAKCGAQAAAAAAAAAAAAAAAAAMAAAAAQAAAAAAAAAAAAAAAAAAAB8AAABUAAAAAAAABQAAAAEAAAAAAAAAAAAAAAAAAAAAAAAAAAAAAAAAAAAAAAAAAAAAAAJ/f38AAAAAA8zMzADAwP8Af39/AAAAAAAAAAAAAAAAAAAAAAAAAAAAIQAAABgAAAAUAAAAoRkAABsnAABfMQAAWSkAABAAAAAmAAAACAAAAIOfAAD//8EB"/>
+                <pr:smNativeData xmlns:pr="smNativeData" xmlns="smNativeData" val="SMDATA_15_D/RJaRMAAAAlAAAAZAAAAA0AAAAAkAAAAEgAAACQAAAASAAAAAAAAAABAAAAAAAAAAEAAABQAAAAAAAAAAAA4D8AAAAAAADgPwAAAAAAAOA/AAAAAAAA4D8AAAAAAADgPwAAAAAAAOA/AAAAAAAA4D8AAAAAAADgPwAAAAAAAOA/AAAAAAAA4D8CAAAAjAAAAAAAAAAAAAAAu+DjDP///wgAAAAAAAAAAAAAAAAAAAAAAAAAAAAAAAAAAAAAZAAAAAEAAABAAAAAAAAAAAAAAAAAAAAAAAAAAAAAAAAAAAAAAAAAAAAAAAAAAAAAAAAAAAAAAAAAAAAAAAAAAAAAAAAAAAAAAAAAAAAAAAAAAAAAAAAAAAAAAAAAAAAAFAAAADwAAAAAAAAAAAAAAAAAAAkUAAAAAQAAABQAAAAUAAAAFAAAAAEAAAAAAAAAZAAAAGQAAAAAAAAAZAAAAGQAAAAVAAAAYAAAAAAAAAAAAAAADwAAACADAAAAAAAAAAAAAAEAAACgMgAAVgcAAKr4//8BAAAAf39/AAEAAABkAAAAAAAAABQAAABAHwAAAAAAACYAAAAAAAAAwOD//wAAAAAmAAAAZAAAABYAAABMAAAAAAAAAAAAAAAEAAAAAAAAAAEAAACAgIAKAAAAACgAAAAoAAAAZAAAAGQAAAAAAAAAzMzMAAAAAABQAAAAUAAAAGQAAABkAAAAAAAAABcAAAAUAAAAAAAAAAAAAAD/fwAA/38AAAAAAAAJAAAABAAAAE1hc3QeAAAAaAAAAAAAAAAAAAAAAAAAAAAAAAAAAAAAECcAABAnAAAAAAAAAAAAAAAAAAAAAAAAAAAAAAAAAAAAAAAAAAAAABQAAAAAAAAAwMD/AAAAAABkAAAAMgAAAAAAAABkAAAAAAAAAH9/fwAKAAAAIgAAABgAAAAAAAAAAAAAAAAAAAAAAAAAAAAAAAAAAAAkAAAAJAAAAAAAAAAHAAAAAAAAAAAAAAAAAAAAAAAAAAAAAAAAAAAAf39/ACUAAABYAAAAAAAAAAAAAAAAAAAAAAAAAAAAAAAAAAAAAAAAAAAAAAAAAAAAAAAAAAAAAAA/AAAAAAAAAKCGAQAAAAAAAAAAAAAAAAAMAAAAAQAAAAAAAAAAAAAAAAAAAB8AAABUAAAAAAAABQAAAAEAAAAAAAAAAAAAAAAAAAAAAAAAAAAAAAAAAAAAAAAAAAAAAAJ/f38AAAAAA8zMzADAwP8Af39/AAAAAAAAAAAAAAAAAAAAAAAAAAAAIQAAABgAAAAUAAAAoRkAABsnAABfMQAAWSkAABAAAAAmAAAACAAAAIOfAAD//8EB"/>
               </a:ext>
             </a:extLst>
           </p:cNvSpPr>
@@ -3001,7 +3001,7 @@
             <a:spLocks noGrp="1" noChangeArrowheads="1"/>
             <a:extLst>
               <a:ext uri="smNativeData">
-                <pr:smNativeData xmlns:pr="smNativeData" xmlns="smNativeData" val="SMDATA_15_msZJaRMAAAAlAAAAZAAAAA0AAAAAkAAAAEgAAACQAAAASAAAAAAAAAABAAAAAAAAAAEAAABQAAAAAAAAAAAA4D8AAAAAAADgPwAAAAAAAOA/AAAAAAAA4D8AAAAAAADgPwAAAAAAAOA/AAAAAAAA4D8AAAAAAADgPwAAAAAAAOA/AAAAAAAA4D8CAAAAjAAAAAAAAAAAAAAAu+DjDP///wgAAAAAAAAAAAAAAAAAAAAAAAAAAAAAAAAAAAAAZAAAAAEAAABAAAAAAAAAAAAAAAAAAAAAAAAAAAAAAAAAAAAAAAAAAAAAAAAAAAAAAAAAAAAAAAAAAAAAAAAAAAAAAAAAAAAAAAAAAAAAAAAAAAAAAAAAAAAAAAAAAAAAFAAAADwAAAAAAAAAAAAAAAAAAAkUAAAAAQAAABQAAAAUAAAAFAAAAAEAAAAAAAAAZAAAAGQAAAAAAAAAZAAAAGQAAAAVAAAAYAAAAAAAAAAAAAAADwAAACADAAAAAAAAAAAAAAEAAACgMgAAVgcAAKr4//8BAAAAf39/AAEAAABkAAAAAAAAABQAAABAHwAAAAAAACYAAAAAAAAAwOD//wAAAAAmAAAAZAAAABYAAABMAAAAAAAAAAAAAAAEAAAAAAAAAAEAAACAgIAKAAAAACgAAAAoAAAAZAAAAGQAAAAAAAAAzMzMAAAAAABQAAAAUAAAAGQAAABkAAAAAAAAABcAAAAUAAAAAAAAAAAAAAD/fwAA/38AAAAAAAAJAAAABAAAAEFBQUEeAAAAaAAAAAAAAAAAAAAAAAAAAAAAAAAAAAAAECcAABAnAAAAAAAAAAAAAAAAAAAAAAAAAAAAAAAAAAAAAAAAAAAAABQAAAAAAAAAwMD/AAAAAABkAAAAMgAAAAAAAABkAAAAAAAAAH9/fwAKAAAAIgAAABgAAAAAAAAAAAAAAAAAAAAAAAAAAAAAAAAAAAAkAAAAJAAAAAAAAAAHAAAAAAAAAAAAAAAAAAAAAAAAAAAAAAAAAAAAf39/ACUAAABYAAAAAAAAAAAAAAAAAAAAAAAAAAAAAAAAAAAAAAAAAAAAAAAAAAAAAAAAAAAAAAA/AAAAAAAAAKCGAQAAAAAAAAAAAAAAAAAMAAAAAQAAAAAAAAAAAAAAAAAAAB8AAABUAAAAAAAABQAAAAEAAAAAAAAAAAAAAAAAAAAAAAAAAAAAAAAAAAAAAAAAAAAAAAJ/f38AAAAAA8zMzADAwP8Af39/AAAAAAAAAAAAAAAAAAAAAAAAAAAAIQAAABgAAAAUAAAAwTUAABsnAABARwAAWSkAABAAAAAmAAAACAAAAIOfAAD//8EB"/>
+                <pr:smNativeData xmlns:pr="smNativeData" xmlns="smNativeData" val="SMDATA_15_D/RJaRMAAAAlAAAAZAAAAA0AAAAAkAAAAEgAAACQAAAASAAAAAAAAAABAAAAAAAAAAEAAABQAAAAAAAAAAAA4D8AAAAAAADgPwAAAAAAAOA/AAAAAAAA4D8AAAAAAADgPwAAAAAAAOA/AAAAAAAA4D8AAAAAAADgPwAAAAAAAOA/AAAAAAAA4D8CAAAAjAAAAAAAAAAAAAAAu+DjDP///wgAAAAAAAAAAAAAAAAAAAAAAAAAAAAAAAAAAAAAZAAAAAEAAABAAAAAAAAAAAAAAAAAAAAAAAAAAAAAAAAAAAAAAAAAAAAAAAAAAAAAAAAAAAAAAAAAAAAAAAAAAAAAAAAAAAAAAAAAAAAAAAAAAAAAAAAAAAAAAAAAAAAAFAAAADwAAAAAAAAAAAAAAAAAAAkUAAAAAQAAABQAAAAUAAAAFAAAAAEAAAAAAAAAZAAAAGQAAAAAAAAAZAAAAGQAAAAVAAAAYAAAAAAAAAAAAAAADwAAACADAAAAAAAAAAAAAAEAAACgMgAAVgcAAKr4//8BAAAAf39/AAEAAABkAAAAAAAAABQAAABAHwAAAAAAACYAAAAAAAAAwOD//wAAAAAmAAAAZAAAABYAAABMAAAAAAAAAAAAAAAEAAAAAAAAAAEAAACAgIAKAAAAACgAAAAoAAAAZAAAAGQAAAAAAAAAzMzMAAAAAABQAAAAUAAAAGQAAABkAAAAAAAAABcAAAAUAAAAAAAAAAAAAAD/fwAA/38AAAAAAAAJAAAABAAAAEFBQUEeAAAAaAAAAAAAAAAAAAAAAAAAAAAAAAAAAAAAECcAABAnAAAAAAAAAAAAAAAAAAAAAAAAAAAAAAAAAAAAAAAAAAAAABQAAAAAAAAAwMD/AAAAAABkAAAAMgAAAAAAAABkAAAAAAAAAH9/fwAKAAAAIgAAABgAAAAAAAAAAAAAAAAAAAAAAAAAAAAAAAAAAAAkAAAAJAAAAAAAAAAHAAAAAAAAAAAAAAAAAAAAAAAAAAAAAAAAAAAAf39/ACUAAABYAAAAAAAAAAAAAAAAAAAAAAAAAAAAAAAAAAAAAAAAAAAAAAAAAAAAAAAAAAAAAAA/AAAAAAAAAKCGAQAAAAAAAAAAAAAAAAAMAAAAAQAAAAAAAAAAAAAAAAAAAB8AAABUAAAAAAAABQAAAAEAAAAAAAAAAAAAAAAAAAAAAAAAAAAAAAAAAAAAAAAAAAAAAAJ/f38AAAAAA8zMzADAwP8Af39/AAAAAAAAAAAAAAAAAAAAAAAAAAAAIQAAABgAAAAUAAAAwTUAABsnAABARwAAWSkAABAAAAAmAAAACAAAAIOfAAD//8EB"/>
               </a:ext>
             </a:extLst>
           </p:cNvSpPr>
@@ -3036,7 +3036,7 @@
           </a:lstStyle>
           <a:p>
             <a:pPr/>
-            <a:fld id="{0DCF48B3-FDE0-9ABE-AE77-0BEB0639585E}" type="slidenum">
+            <a:fld id="{0C3DE2FF-B1E1-6814-AF85-4741ACCB5912}" type="slidenum">
               <a:t/>
             </a:fld>
           </a:p>
@@ -3715,7 +3715,7 @@
             <a:spLocks noGrp="1" noChangeArrowheads="1"/>
             <a:extLst>
               <a:ext uri="smNativeData">
-                <pr:smNativeData xmlns:pr="smNativeData" xmlns="smNativeData" val="SMDATA_15_msZJaRMAAAAlAAAAZAAAAA0AAAAAkAAAAEgAAACQAAAASAAAAAAAAAABAAAAAAAAAAEAAABQAAAAAAAAAAAA4D8AAAAAAADgPwAAAAAAAOA/AAAAAAAA4D8AAAAAAADgPwAAAAAAAOA/AAAAAAAA4D8AAAAAAADgPwAAAAAAAOA/AAAAAAAA4D8CAAAAjAAAAAAAAAAAAAAAu+DjDP///wgAAAAAAAAAAAAAAAAAAAAAAAAAAAAAAAAAAAAAZAAAAAEAAABAAAAAAAAAAAAAAAAAAAAAAAAAAAAAAAAAAAAAAAAAAAAAAAAAAAAAAAAAAAAAAAAAAAAAAAAAAAAAAAAAAAAAAAAAAAAAAAAAAAAAAAAAAAAAAAAAAAAAFAAAADwAAAAAAAAAAAAAAAAAAAkUAAAAAQAAABQAAAAUAAAAFAAAAAEAAAAAAAAAZAAAAGQAAAAAAAAAZAAAAGQAAAAVAAAAYAAAAAAAAAAAAAAADwAAACADAAAAAAAAAAAAAAEAAACgMgAAVgcAAKr4//8BAAAAf39/AAEAAABkAAAAAAAAABQAAABAHwAAAAAAACYAAAAAAAAAwOD//wAAAAAmAAAAZAAAABYAAABMAAAAAAAAAAAAAAAEAAAAAAAAAAEAAACAgIAKAAAAACgAAAAoAAAAZAAAAGQAAAAAAAAAzMzMAAAAAABQAAAAUAAAAGQAAABkAAAAAAAAABcAAAAUAAAAAAAAAAAAAAD/fwAA/38AAAAAAAAJAAAABAAAAAAAAAAeAAAAaAAAAAAAAAAAAAAAAAAAAAAAAAAAAAAAECcAABAnAAAAAAAAAAAAAAAAAAAAAAAAAAAAAAAAAAAAAAAAAAAAABQAAAAAAAAAwMD/AAAAAABkAAAAMgAAAAAAAABkAAAAAAAAAH9/fwAKAAAAIgAAABgAAAAAAAAAAAAAAAAAAAAAAAAAAAAAAAAAAAAkAAAAJAAAAAAAAAAHAAAAAAAAAAAAAAAAAAAAAAAAAAAAAAAAAAAAf39/ACUAAABYAAAAAAAAAAAAAAAAAAAAAAAAAAAAAAAAAAAAAAAAAAAAAAAAAAAAAAAAAAAAAAA/AAAAAAAAAKCGAQAAAAAAAAAAAAAAAAAMAAAAAQAAAAAAAAAAAAAAAAAAAB8AAABUAAAAAAAABQAAAAEAAAAAAAAAAAAAAAAAAAAAAAAAAAAAAAAAAAAAAAAAAAAAAAJ/f38AAAAAA8zMzADAwP8Af39/AAAAAAAAAAAAAAAAAAAAAAAAAAAAIQAAABgAAAAUAAAAoAUAABoNAABgRQAAJhYAABAAAAAmAAAACAAAAAAAAAAAAAAA"/>
+                <pr:smNativeData xmlns:pr="smNativeData" xmlns="smNativeData" val="SMDATA_15_D/RJaRMAAAAlAAAAZAAAAA0AAAAAkAAAAEgAAACQAAAASAAAAAAAAAABAAAAAAAAAAEAAABQAAAAAAAAAAAA4D8AAAAAAADgPwAAAAAAAOA/AAAAAAAA4D8AAAAAAADgPwAAAAAAAOA/AAAAAAAA4D8AAAAAAADgPwAAAAAAAOA/AAAAAAAA4D8CAAAAjAAAAAAAAAAAAAAAu+DjDP///wgAAAAAAAAAAAAAAAAAAAAAAAAAAAAAAAAAAAAAZAAAAAEAAABAAAAAAAAAAAAAAAAAAAAAAAAAAAAAAAAAAAAAAAAAAAAAAAAAAAAAAAAAAAAAAAAAAAAAAAAAAAAAAAAAAAAAAAAAAAAAAAAAAAAAAAAAAAAAAAAAAAAAFAAAADwAAAAAAAAAAAAAAAAAAAkUAAAAAQAAABQAAAAUAAAAFAAAAAEAAAAAAAAAZAAAAGQAAAAAAAAAZAAAAGQAAAAVAAAAYAAAAAAAAAAAAAAADwAAACADAAAAAAAAAAAAAAEAAACgMgAAVgcAAKr4//8BAAAAf39/AAEAAABkAAAAAAAAABQAAABAHwAAAAAAACYAAAAAAAAAwOD//wAAAAAmAAAAZAAAABYAAABMAAAAAAAAAAAAAAAEAAAAAAAAAAEAAACAgIAKAAAAACgAAAAoAAAAZAAAAGQAAAAAAAAAzMzMAAAAAABQAAAAUAAAAGQAAABkAAAAAAAAABcAAAAUAAAAAAAAAAAAAAD/fwAA/38AAAAAAAAJAAAABAAAAAAAAAAeAAAAaAAAAAAAAAAAAAAAAAAAAAAAAAAAAAAAECcAABAnAAAAAAAAAAAAAAAAAAAAAAAAAAAAAAAAAAAAAAAAAAAAABQAAAAAAAAAwMD/AAAAAABkAAAAMgAAAAAAAABkAAAAAAAAAH9/fwAKAAAAIgAAABgAAAAAAAAAAAAAAAAAAAAAAAAAAAAAAAAAAAAkAAAAJAAAAAAAAAAHAAAAAAAAAAAAAAAAAAAAAAAAAAAAAAAAAAAAf39/ACUAAABYAAAAAAAAAAAAAAAAAAAAAAAAAAAAAAAAAAAAAAAAAAAAAAAAAAAAAAAAAAAAAAA/AAAAAAAAAKCGAQAAAAAAAAAAAAAAAAAMAAAAAQAAAAAAAAAAAAAAAAAAAB8AAABUAAAAAAAABQAAAAEAAAAAAAAAAAAAAAAAAAAAAAAAAAAAAAAAAAAAAAAAAAAAAAJ/f38AAAAAA8zMzADAwP8Af39/AAAAAAAAAAAAAAAAAAAAAAAAAAAAIQAAABgAAAAUAAAAoAUAABoNAABgRQAAJhYAABAAAAAmAAAACAAAAAAAAAAAAAAA"/>
               </a:ext>
             </a:extLst>
           </p:cNvSpPr>
@@ -3742,7 +3742,7 @@
             <a:spLocks noGrp="1" noChangeArrowheads="1"/>
             <a:extLst>
               <a:ext uri="smNativeData">
-                <pr:smNativeData xmlns:pr="smNativeData" xmlns="smNativeData" val="SMDATA_15_msZJaRMAAAAlAAAAZAAAAA0AAAAAkAAAAEgAAACQAAAASAAAAAAAAAAAAAAAAAAAAAEAAABQAAAAAAAAAAAA4D8AAAAAAADgPwAAAAAAAOA/AAAAAAAA4D8AAAAAAADgPwAAAAAAAOA/AAAAAAAA4D8AAAAAAADgPwAAAAAAAOA/AAAAAAAA4D8CAAAAjAAAAAAAAAAAAAAAu+DjDP///wgAAAAAAAAAAAAAAAAAAAAAAAAAAAAAAAAAAAAAZAAAAAEAAABAAAAAAAAAAAAAAAAAAAAAAAAAAAAAAAAAAAAAAAAAAAAAAAAAAAAAAAAAAAAAAAAAAAAAAAAAAAAAAAAAAAAAAAAAAAAAAAAAAAAAAAAAAAAAAAAAAAAAFAAAADwAAAAAAAAAAAAAAAAAAAkUAAAAAQAAABQAAAAUAAAAFAAAAAEAAAAAAAAAZAAAAGQAAAAAAAAAZAAAAGQAAAAVAAAAYAAAAAAAAAAAAAAADwAAACADAAAAAAAAAAAAAAEAAACgMgAAVgcAAKr4//8BAAAAf39/AAEAAABkAAAAAAAAABQAAABAHwAAAAAAACYAAAAAAAAAwOD//wAAAAAmAAAAZAAAABYAAABMAAAAAAAAAAAAAAAEAAAAAAAAAAEAAACAgIAKAAAAACgAAAAoAAAAZAAAAGQAAAAAAAAAzMzMAAAAAABQAAAAUAAAAGQAAABkAAAAAAAAABcAAAAUAAAAAAAAAAAAAAD/fwAA/38AAAAAAAAJAAAABAAAAAAAAAAeAAAAaAAAAAAAAAAAAAAAAAAAAAAAAAAAAAAAECcAABAnAAAAAAAAAAAAAAAAAAAAAAAAAAAAAAAAAAAAAAAAAAAAABQAAAAAAAAAwMD/AAAAAABkAAAAMgAAAAAAAABkAAAAAAAAAH9/fwAKAAAAIgAAABgAAAAAAAAAAAAAAAAAAAAAAAAAAAAAAAAAAAAkAAAAJAAAAAAAAAAHAAAAAAAAAAAAAAAAAAAAAAAAAAAAAAAAAAAAf39/ACUAAABYAAAAAAAAAAAAAAAAAAAAAAAAAAAAAAAAAAAAAAAAAAAAAAAAAAAAAAAAAAAAAAA/AAAAAAAAAKCGAQAAAAAAAAAAAAAAAAAMAAAAAQAAAAAAAAAAAAAAAAAAAB8AAABUAAAAAAAABQAAAAEAAAAAAAAAAAAAAAAAAAAAAAAAAAAAAAAAAAAAAAAAAAAAAAJ/f38AAAAAA8zMzADAwP8Af39/AAAAAAAAAAAAAAAAAAAAAAAAAAAAIQAAABgAAAAUAAAAQAsAAOgXAADAPwAAsCIAABAAAAAmAAAACAAAAAAAAAAAAAAA"/>
+                <pr:smNativeData xmlns:pr="smNativeData" xmlns="smNativeData" val="SMDATA_15_D/RJaRMAAAAlAAAAZAAAAA0AAAAAkAAAAEgAAACQAAAASAAAAAAAAAAAAAAAAAAAAAEAAABQAAAAAAAAAAAA4D8AAAAAAADgPwAAAAAAAOA/AAAAAAAA4D8AAAAAAADgPwAAAAAAAOA/AAAAAAAA4D8AAAAAAADgPwAAAAAAAOA/AAAAAAAA4D8CAAAAjAAAAAAAAAAAAAAAu+DjDP///wgAAAAAAAAAAAAAAAAAAAAAAAAAAAAAAAAAAAAAZAAAAAEAAABAAAAAAAAAAAAAAAAAAAAAAAAAAAAAAAAAAAAAAAAAAAAAAAAAAAAAAAAAAAAAAAAAAAAAAAAAAAAAAAAAAAAAAAAAAAAAAAAAAAAAAAAAAAAAAAAAAAAAFAAAADwAAAAAAAAAAAAAAAAAAAkUAAAAAQAAABQAAAAUAAAAFAAAAAEAAAAAAAAAZAAAAGQAAAAAAAAAZAAAAGQAAAAVAAAAYAAAAAAAAAAAAAAADwAAACADAAAAAAAAAAAAAAEAAACgMgAAVgcAAKr4//8BAAAAf39/AAEAAABkAAAAAAAAABQAAABAHwAAAAAAACYAAAAAAAAAwOD//wAAAAAmAAAAZAAAABYAAABMAAAAAAAAAAAAAAAEAAAAAAAAAAEAAACAgIAKAAAAACgAAAAoAAAAZAAAAGQAAAAAAAAAzMzMAAAAAABQAAAAUAAAAGQAAABkAAAAAAAAABcAAAAUAAAAAAAAAAAAAAD/fwAA/38AAAAAAAAJAAAABAAAAAAAAAAeAAAAaAAAAAAAAAAAAAAAAAAAAAAAAAAAAAAAECcAABAnAAAAAAAAAAAAAAAAAAAAAAAAAAAAAAAAAAAAAAAAAAAAABQAAAAAAAAAwMD/AAAAAABkAAAAMgAAAAAAAABkAAAAAAAAAH9/fwAKAAAAIgAAABgAAAAAAAAAAAAAAAAAAAAAAAAAAAAAAAAAAAAkAAAAJAAAAAAAAAAHAAAAAAAAAAAAAAAAAAAAAAAAAAAAAAAAAAAAf39/ACUAAABYAAAAAAAAAAAAAAAAAAAAAAAAAAAAAAAAAAAAAAAAAAAAAAAAAAAAAAAAAAAAAAA/AAAAAAAAAKCGAQAAAAAAAAAAAAAAAAAMAAAAAQAAAAAAAAAAAAAAAAAAAB8AAABUAAAAAAAABQAAAAEAAAAAAAAAAAAAAAAAAAAAAAAAAAAAAAAAAAAAAAAAAAAAAAJ/f38AAAAAA8zMzADAwP8Af39/AAAAAAAAAAAAAAAAAAAAAAAAAAAAIQAAABgAAAAUAAAAQAsAAOgXAADAPwAAsCIAABAAAAAmAAAACAAAAAAAAAAAAAAA"/>
               </a:ext>
             </a:extLst>
           </p:cNvSpPr>
@@ -3798,7 +3798,7 @@
             <a:spLocks noGrp="1" noChangeArrowheads="1"/>
             <a:extLst>
               <a:ext uri="smNativeData">
-                <pr:smNativeData xmlns:pr="smNativeData" xmlns="smNativeData" val="SMDATA_15_msZJaRMAAAAlAAAAZAAAAA0AAAAAkAAAAEgAAACQAAAASAAAAAAAAAABAAAAAAAAAAEAAABQAAAAAAAAAAAA4D8AAAAAAADgPwAAAAAAAOA/AAAAAAAA4D8AAAAAAADgPwAAAAAAAOA/AAAAAAAA4D8AAAAAAADgPwAAAAAAAOA/AAAAAAAA4D8CAAAAjAAAAAAAAAAAAAAAu+DjDP///wgAAAAAAAAAAAAAAAAAAAAAAAAAAAAAAAAAAAAAZAAAAAEAAABAAAAAAAAAAAAAAAAAAAAAAAAAAAAAAAAAAAAAAAAAAAAAAAAAAAAAAAAAAAAAAAAAAAAAAAAAAAAAAAAAAAAAAAAAAAAAAAAAAAAAAAAAAAAAAAAAAAAAFAAAADwAAAAAAAAAAAAAAAAAAAkUAAAAAQAAABQAAAAUAAAAFAAAAAEAAAAAAAAAZAAAAGQAAAAAAAAAZAAAAGQAAAAVAAAAYAAAAAAAAAAAAAAADwAAACADAAAAAAAAAAAAAAEAAACgMgAAVgcAAKr4//8BAAAAf39/AAEAAABkAAAAAAAAABQAAABAHwAAAAAAACYAAAAAAAAAwOD//wAAAAAmAAAAZAAAABYAAABMAAAAAAAAAAAAAAAEAAAAAAAAAAEAAACAgIAKAAAAACgAAAAoAAAAZAAAAGQAAAAAAAAAzMzMAAAAAABQAAAAUAAAAGQAAABkAAAAAAAAABcAAAAUAAAAAAAAAAAAAAD/fwAA/38AAAAAAAAJAAAABAAAAAAAAAAeAAAAaAAAAAAAAAAAAAAAAAAAAAAAAAAAAAAAECcAABAnAAAAAAAAAAAAAAAAAAAAAAAAAAAAAAAAAAAAAAAAAAAAABQAAAAAAAAAwMD/AAAAAABkAAAAMgAAAAAAAABkAAAAAAAAAH9/fwAKAAAAIgAAABgAAAAAAAAAAAAAAAAAAAAAAAAAAAAAAAAAAAAkAAAAJAAAAAAAAAAHAAAAAAAAAAAAAAAAAAAAAAAAAAAAAAAAAAAAf39/ACUAAABYAAAAAAAAAAAAAAAAAAAAAAAAAAAAAAAAAAAAAAAAAAAAAAAAAAAAAAAAAAAAAAA/AAAAAAAAAKCGAQAAAAAAAAAAAAAAAAAMAAAAAQAAAAAAAAAAAAAAAAAAAB8AAABUAAAAAAAABQAAAAEAAAAAAAAAAAAAAAAAAAAAAAAAAAAAAAAAAAAAAAAAAAAAAAJ/f38AAAAAA8zMzADAwP8Af39/AAAAAAAAAAAAAAAAAAAAAAAAAAAAIQAAABgAAAAUAAAAwAMAALABAABARwAAuAgAABAAAAAmAAAACAAAAAAAAAAAAAAA"/>
+                <pr:smNativeData xmlns:pr="smNativeData" xmlns="smNativeData" val="SMDATA_15_D/RJaRMAAAAlAAAAZAAAAA0AAAAAkAAAAEgAAACQAAAASAAAAAAAAAABAAAAAAAAAAEAAABQAAAAAAAAAAAA4D8AAAAAAADgPwAAAAAAAOA/AAAAAAAA4D8AAAAAAADgPwAAAAAAAOA/AAAAAAAA4D8AAAAAAADgPwAAAAAAAOA/AAAAAAAA4D8CAAAAjAAAAAAAAAAAAAAAu+DjDP///wgAAAAAAAAAAAAAAAAAAAAAAAAAAAAAAAAAAAAAZAAAAAEAAABAAAAAAAAAAAAAAAAAAAAAAAAAAAAAAAAAAAAAAAAAAAAAAAAAAAAAAAAAAAAAAAAAAAAAAAAAAAAAAAAAAAAAAAAAAAAAAAAAAAAAAAAAAAAAAAAAAAAAFAAAADwAAAAAAAAAAAAAAAAAAAkUAAAAAQAAABQAAAAUAAAAFAAAAAEAAAAAAAAAZAAAAGQAAAAAAAAAZAAAAGQAAAAVAAAAYAAAAAAAAAAAAAAADwAAACADAAAAAAAAAAAAAAEAAACgMgAAVgcAAKr4//8BAAAAf39/AAEAAABkAAAAAAAAABQAAABAHwAAAAAAACYAAAAAAAAAwOD//wAAAAAmAAAAZAAAABYAAABMAAAAAAAAAAAAAAAEAAAAAAAAAAEAAACAgIAKAAAAACgAAAAoAAAAZAAAAGQAAAAAAAAAzMzMAAAAAABQAAAAUAAAAGQAAABkAAAAAAAAABcAAAAUAAAAAAAAAAAAAAD/fwAA/38AAAAAAAAJAAAABAAAAAAAAAAeAAAAaAAAAAAAAAAAAAAAAAAAAAAAAAAAAAAAECcAABAnAAAAAAAAAAAAAAAAAAAAAAAAAAAAAAAAAAAAAAAAAAAAABQAAAAAAAAAwMD/AAAAAABkAAAAMgAAAAAAAABkAAAAAAAAAH9/fwAKAAAAIgAAABgAAAAAAAAAAAAAAAAAAAAAAAAAAAAAAAAAAAAkAAAAJAAAAAAAAAAHAAAAAAAAAAAAAAAAAAAAAAAAAAAAAAAAAAAAf39/ACUAAABYAAAAAAAAAAAAAAAAAAAAAAAAAAAAAAAAAAAAAAAAAAAAAAAAAAAAAAAAAAAAAAA/AAAAAAAAAKCGAQAAAAAAAAAAAAAAAAAMAAAAAQAAAAAAAAAAAAAAAAAAAB8AAABUAAAAAAAABQAAAAEAAAAAAAAAAAAAAAAAAAAAAAAAAAAAAAAAAAAAAAAAAAAAAAJ/f38AAAAAA8zMzADAwP8Af39/AAAAAAAAAAAAAAAAAAAAAAAAAAAAIQAAABgAAAAUAAAAwAMAALABAABARwAAuAgAABAAAAAmAAAACAAAAAAAAAAAAAAA"/>
               </a:ext>
             </a:extLst>
           </p:cNvSpPr>
@@ -3825,7 +3825,7 @@
             <a:spLocks noGrp="1" noChangeArrowheads="1"/>
             <a:extLst>
               <a:ext uri="smNativeData">
-                <pr:smNativeData xmlns:pr="smNativeData" xmlns="smNativeData" val="SMDATA_15_msZJaRMAAAAlAAAAZAAAAA0AAAAAkAAAAEgAAACQAAAASAAAAAAAAAAAAAAAAAAAAAEAAABQAAAAAAAAAAAA4D8AAAAAAADgPwAAAAAAAOA/AAAAAAAA4D8AAAAAAADgPwAAAAAAAOA/AAAAAAAA4D8AAAAAAADgPwAAAAAAAOA/AAAAAAAA4D8CAAAAjAAAAAAAAAAAAAAAu+DjDP///wgAAAAAAAAAAAAAAAAAAAAAAAAAAAAAAAAAAAAAZAAAAAEAAABAAAAAAAAAAAAAAAAAAAAAAAAAAAAAAAAAAAAAAAAAAAAAAAAAAAAAAAAAAAAAAAAAAAAAAAAAAAAAAAAAAAAAAAAAAAAAAAAAAAAAAAAAAAAAAAAAAAAAFAAAADwAAAAAAAAAAAAAAAAAAAkUAAAAAQAAABQAAAAUAAAAFAAAAAEAAAAAAAAAZAAAAGQAAAAAAAAAZAAAAGQAAAAVAAAAYAAAAAAAAAAAAAAADwAAACADAAAAAAAAAAAAAAEAAACgMgAAVgcAAKr4//8BAAAAf39/AAEAAABkAAAAAAAAABQAAABAHwAAAAAAACYAAAAAAAAAwOD//wAAAAAmAAAAZAAAABYAAABMAAAAAAAAAAAAAAAEAAAAAAAAAAEAAACAgIAKAAAAACgAAAAoAAAAZAAAAGQAAAAAAAAAzMzMAAAAAABQAAAAUAAAAGQAAABkAAAAAAAAABcAAAAUAAAAAAAAAAAAAAD/fwAA/38AAAAAAAAJAAAABAAAAF8AYAAeAAAAaAAAAAAAAAAAAAAAAAAAAAAAAAAAAAAAECcAABAnAAAAAAAAAAAAAAAAAAAAAAAAAAAAAAAAAAAAAAAAAAAAABQAAAAAAAAAwMD/AAAAAABkAAAAMgAAAAAAAABkAAAAAAAAAH9/fwAKAAAAIgAAABgAAAAAAAAAAAAAAAAAAAAAAAAAAAAAAAAAAAAkAAAAJAAAAAAAAAAHAAAAAAAAAAAAAAAAAAAAAAAAAAAAAAAAAAAAf39/ACUAAABYAAAAAAAAAAAAAAAAAAAAAAAAAAAAAAAAAAAAAAAAAAAAAAAAAAAAAAAAAAAAAAA/AAAAAAAAAKCGAQAAAAAAAAAAAAAAAAAMAAAAAQAAAAAAAAAAAAAAAAAAAB8AAABUAAAAAAAABQAAAAEAAAAAAAAAAAAAAAAAAAAAAAAAAAAAAAAAAAAAAAAAAAAAAAJ/f38AAAAAA8zMzADAwP8Af39/AAAAAAAAAAAAAAAAAAAAAAAAAAAAIQAAABgAAAAUAAAAwAMAANgJAABARwAAsCUAABAAAAAmAAAACAAAAAAAAAAAAAAA"/>
+                <pr:smNativeData xmlns:pr="smNativeData" xmlns="smNativeData" val="SMDATA_15_D/RJaRMAAAAlAAAAZAAAAA0AAAAAkAAAAEgAAACQAAAASAAAAAAAAAAAAAAAAAAAAAEAAABQAAAAAAAAAAAA4D8AAAAAAADgPwAAAAAAAOA/AAAAAAAA4D8AAAAAAADgPwAAAAAAAOA/AAAAAAAA4D8AAAAAAADgPwAAAAAAAOA/AAAAAAAA4D8CAAAAjAAAAAAAAAAAAAAAu+DjDP///wgAAAAAAAAAAAAAAAAAAAAAAAAAAAAAAAAAAAAAZAAAAAEAAABAAAAAAAAAAAAAAAAAAAAAAAAAAAAAAAAAAAAAAAAAAAAAAAAAAAAAAAAAAAAAAAAAAAAAAAAAAAAAAAAAAAAAAAAAAAAAAAAAAAAAAAAAAAAAAAAAAAAAFAAAADwAAAAAAAAAAAAAAAAAAAkUAAAAAQAAABQAAAAUAAAAFAAAAAEAAAAAAAAAZAAAAGQAAAAAAAAAZAAAAGQAAAAVAAAAYAAAAAAAAAAAAAAADwAAACADAAAAAAAAAAAAAAEAAACgMgAAVgcAAKr4//8BAAAAf39/AAEAAABkAAAAAAAAABQAAABAHwAAAAAAACYAAAAAAAAAwOD//wAAAAAmAAAAZAAAABYAAABMAAAAAAAAAAAAAAAEAAAAAAAAAAEAAACAgIAKAAAAACgAAAAoAAAAZAAAAGQAAAAAAAAAzMzMAAAAAABQAAAAUAAAAGQAAABkAAAAAAAAABcAAAAUAAAAAAAAAAAAAAD/fwAA/38AAAAAAAAJAAAABAAAAF8AYAAeAAAAaAAAAAAAAAAAAAAAAAAAAAAAAAAAAAAAECcAABAnAAAAAAAAAAAAAAAAAAAAAAAAAAAAAAAAAAAAAAAAAAAAABQAAAAAAAAAwMD/AAAAAABkAAAAMgAAAAAAAABkAAAAAAAAAH9/fwAKAAAAIgAAABgAAAAAAAAAAAAAAAAAAAAAAAAAAAAAAAAAAAAkAAAAJAAAAAAAAAAHAAAAAAAAAAAAAAAAAAAAAAAAAAAAAAAAAAAAf39/ACUAAABYAAAAAAAAAAAAAAAAAAAAAAAAAAAAAAAAAAAAAAAAAAAAAAAAAAAAAAAAAAAAAAA/AAAAAAAAAKCGAQAAAAAAAAAAAAAAAAAMAAAAAQAAAAAAAAAAAAAAAAAAAB8AAABUAAAAAAAABQAAAAEAAAAAAAAAAAAAAAAAAAAAAAAAAAAAAAAAAAAAAAAAAAAAAAJ/f38AAAAAA8zMzADAwP8Af39/AAAAAAAAAAAAAAAAAAAAAAAAAAAAIQAAABgAAAAUAAAAwAMAANgJAABARwAAsCUAABAAAAAmAAAACAAAAAAAAAAAAAAA"/>
               </a:ext>
             </a:extLst>
           </p:cNvSpPr>
@@ -3961,7 +3961,7 @@
             <a:spLocks noGrp="1" noChangeArrowheads="1"/>
             <a:extLst>
               <a:ext uri="smNativeData">
-                <pr:smNativeData xmlns:pr="smNativeData" xmlns="smNativeData" val="SMDATA_15_msZJaRMAAAAlAAAAZAAAAA0AAAAAkAAAAEgAAACQAAAASAAAAAAAAAABAAAAAAAAAAEAAABQAAAAAAAAAAAA4D8AAAAAAADgPwAAAAAAAOA/AAAAAAAA4D8AAAAAAADgPwAAAAAAAOA/AAAAAAAA4D8AAAAAAADgPwAAAAAAAOA/AAAAAAAA4D8CAAAAjAAAAAAAAAAAAAAAu+DjDP///wgAAAAAAAAAAAAAAAAAAAAAAAAAAAAAAAAAAAAAZAAAAAEAAABAAAAAAAAAAAAAAAAAAAAAAAAAAAAAAAAAAAAAAAAAAAAAAAAAAAAAAAAAAAAAAAAAAAAAAAAAAAAAAAAAAAAAAAAAAAAAAAAAAAAAAAAAAAAAAAAAAAAAFAAAADwAAAAAAAAAAAAAAAAAAAkUAAAAAQAAABQAAAAUAAAAFAAAAAEAAAAAAAAAZAAAAGQAAAAAAAAAZAAAAGQAAAAVAAAAYAAAAAAAAAAAAAAADwAAACADAAAAAAAAAAAAAAEAAACgMgAAVgcAAKr4//8BAAAAf39/AAEAAABkAAAAAAAAABQAAABAHwAAAAAAACYAAAAAAAAAwOD//wAAAAAmAAAAZAAAABYAAABMAAAAAAAAAAAAAAAEAAAAAAAAAAEAAACAgIAKAAAAACgAAAAoAAAAZAAAAGQAAAAAAAAAzMzMAAAAAABQAAAAUAAAAGQAAABkAAAAAAAAABcAAAAUAAAAAAAAAAAAAAD/fwAA/38AAAAAAAAJAAAABAAAAF8AYAAeAAAAaAAAAAAAAAAAAAAAAAAAAAAAAAAAAAAAECcAABAnAAAAAAAAAAAAAAAAAAAAAAAAAAAAAAAAAAAAAAAAAAAAABQAAAAAAAAAwMD/AAAAAABkAAAAMgAAAAAAAABkAAAAAAAAAH9/fwAKAAAAIgAAABgAAAAAAAAAAAAAAAAAAAAAAAAAAAAAAAAAAAAkAAAAJAAAAAAAAAAHAAAAAAAAAAAAAAAAAAAAAAAAAAAAAAAAAAAAf39/ACUAAABYAAAAAAAAAAAAAAAAAAAAAAAAAAAAAAAAAAAAAAAAAAAAAAAAAAAAAAAAAAAAAAA/AAAAAAAAAKCGAQAAAAAAAAAAAAAAAAAMAAAAAQAAAAAAAAAAAAAAAAAAAB8AAABUAAAAAAAABQAAAAEAAAAAAAAAAAAAAAAAAAAAAAAAAAAAAAAAAAAAAAAAAAAAAAJ/f38AAAAAA8zMzADAwP8Af39/AAAAAAAAAAAAAAAAAAAAAAAAAAAAIQAAABgAAAAUAAAAwAMAALABAABARwAAuAgAABAAAAAmAAAACAAAAAAAAAAAAAAA"/>
+                <pr:smNativeData xmlns:pr="smNativeData" xmlns="smNativeData" val="SMDATA_15_D/RJaRMAAAAlAAAAZAAAAA0AAAAAkAAAAEgAAACQAAAASAAAAAAAAAABAAAAAAAAAAEAAABQAAAAAAAAAAAA4D8AAAAAAADgPwAAAAAAAOA/AAAAAAAA4D8AAAAAAADgPwAAAAAAAOA/AAAAAAAA4D8AAAAAAADgPwAAAAAAAOA/AAAAAAAA4D8CAAAAjAAAAAAAAAAAAAAAu+DjDP///wgAAAAAAAAAAAAAAAAAAAAAAAAAAAAAAAAAAAAAZAAAAAEAAABAAAAAAAAAAAAAAAAAAAAAAAAAAAAAAAAAAAAAAAAAAAAAAAAAAAAAAAAAAAAAAAAAAAAAAAAAAAAAAAAAAAAAAAAAAAAAAAAAAAAAAAAAAAAAAAAAAAAAFAAAADwAAAAAAAAAAAAAAAAAAAkUAAAAAQAAABQAAAAUAAAAFAAAAAEAAAAAAAAAZAAAAGQAAAAAAAAAZAAAAGQAAAAVAAAAYAAAAAAAAAAAAAAADwAAACADAAAAAAAAAAAAAAEAAACgMgAAVgcAAKr4//8BAAAAf39/AAEAAABkAAAAAAAAABQAAABAHwAAAAAAACYAAAAAAAAAwOD//wAAAAAmAAAAZAAAABYAAABMAAAAAAAAAAAAAAAEAAAAAAAAAAEAAACAgIAKAAAAACgAAAAoAAAAZAAAAGQAAAAAAAAAzMzMAAAAAABQAAAAUAAAAGQAAABkAAAAAAAAABcAAAAUAAAAAAAAAAAAAAD/fwAA/38AAAAAAAAJAAAABAAAAF8AYAAeAAAAaAAAAAAAAAAAAAAAAAAAAAAAAAAAAAAAECcAABAnAAAAAAAAAAAAAAAAAAAAAAAAAAAAAAAAAAAAAAAAAAAAABQAAAAAAAAAwMD/AAAAAABkAAAAMgAAAAAAAABkAAAAAAAAAH9/fwAKAAAAIgAAABgAAAAAAAAAAAAAAAAAAAAAAAAAAAAAAAAAAAAkAAAAJAAAAAAAAAAHAAAAAAAAAAAAAAAAAAAAAAAAAAAAAAAAAAAAf39/ACUAAABYAAAAAAAAAAAAAAAAAAAAAAAAAAAAAAAAAAAAAAAAAAAAAAAAAAAAAAAAAAAAAAA/AAAAAAAAAKCGAQAAAAAAAAAAAAAAAAAMAAAAAQAAAAAAAAAAAAAAAAAAAB8AAABUAAAAAAAABQAAAAEAAAAAAAAAAAAAAAAAAAAAAAAAAAAAAAAAAAAAAAAAAAAAAAJ/f38AAAAAA8zMzADAwP8Af39/AAAAAAAAAAAAAAAAAAAAAAAAAAAAIQAAABgAAAAUAAAAwAMAALABAABARwAAuAgAABAAAAAmAAAACAAAAAAAAAAAAAAA"/>
               </a:ext>
             </a:extLst>
           </p:cNvSpPr>
@@ -3994,7 +3994,7 @@
             <a:spLocks noGrp="1" noChangeArrowheads="1"/>
             <a:extLst>
               <a:ext uri="smNativeData">
-                <pr:smNativeData xmlns:pr="smNativeData" xmlns="smNativeData" val="SMDATA_15_msZJaRMAAAAlAAAAZAAAAA0AAAAAkAAAAEgAAACQAAAASAAAAAAAAAAAAAAAAAAAAAEAAABQAAAAAAAAAAAA4D8AAAAAAADgPwAAAAAAAOA/AAAAAAAA4D8AAAAAAADgPwAAAAAAAOA/AAAAAAAA4D8AAAAAAADgPwAAAAAAAOA/AAAAAAAA4D8CAAAAjAAAAAAAAAAAAAAAu+DjDP///wgAAAAAAAAAAAAAAAAAAAAAAAAAAAAAAAAAAAAAZAAAAAEAAABAAAAAAAAAAAAAAAAAAAAAAAAAAAAAAAAAAAAAAAAAAAAAAAAAAAAAAAAAAAAAAAAAAAAAAAAAAAAAAAAAAAAAAAAAAAAAAAAAAAAAAAAAAAAAAAAAAAAAFAAAADwAAAAAAAAAAAAAAAAAAAkUAAAAAQAAABQAAAAUAAAAFAAAAAEAAAAAAAAAZAAAAGQAAAAAAAAAZAAAAGQAAAAVAAAAYAAAAAAAAAAAAAAADwAAACADAAAAAAAAAAAAAAEAAACgMgAAVgcAAKr4//8BAAAAf39/AAEAAABkAAAAAAAAABQAAABAHwAAAAAAACYAAAAAAAAAwOD//wAAAAAmAAAAZAAAABYAAABMAAAAAAAAAAAAAAAEAAAAAAAAAAEAAACAgIAKAAAAACgAAAAoAAAAZAAAAGQAAAAAAAAAzMzMAAAAAABQAAAAUAAAAGQAAABkAAAAAAAAABcAAAAUAAAAAAAAAAAAAAD/fwAA/38AAAAAAAAJAAAABAAAAF8AYAAeAAAAaAAAAAAAAAAAAAAAAAAAAAAAAAAAAAAAECcAABAnAAAAAAAAAAAAAAAAAAAAAAAAAAAAAAAAAAAAAAAAAAAAABQAAAAAAAAAwMD/AAAAAABkAAAAMgAAAAAAAABkAAAAAAAAAH9/fwAKAAAAIgAAABgAAAAAAAAAAAAAAAAAAAAAAAAAAAAAAAAAAAAkAAAAJAAAAAAAAAAHAAAAAAAAAAAAAAAAAAAAAAAAAAAAAAAAAAAAf39/ACUAAABYAAAAAAAAAAAAAAAAAAAAAAAAAAAAAAAAAAAAAAAAAAAAAAAAAAAAAAAAAAAAAAA/AAAAAAAAAKCGAQAAAAAAAAAAAAAAAAAMAAAAAQAAAAAAAAAAAAAAAAAAAB8AAABUAAAAAAAABQAAAAEAAAAAAAAAAAAAAAAAAAAAAAAAAAAAAAAAAAAAAAAAAAAAAAJ/f38AAAAAA8zMzADAwP8Af39/AAAAAAAAAAAAAAAAAAAAAAAAAAAAIQAAABgAAAAUAAAAwAMAANgJAAARRwAAihIAABAAAAAmAAAACAAAAAEAAAAAAAAA"/>
+                <pr:smNativeData xmlns:pr="smNativeData" xmlns="smNativeData" val="SMDATA_15_D/RJaRMAAAAlAAAAZAAAAA0AAAAAkAAAAEgAAACQAAAASAAAAAAAAAAAAAAAAAAAAAEAAABQAAAAAAAAAAAA4D8AAAAAAADgPwAAAAAAAOA/AAAAAAAA4D8AAAAAAADgPwAAAAAAAOA/AAAAAAAA4D8AAAAAAADgPwAAAAAAAOA/AAAAAAAA4D8CAAAAjAAAAAAAAAAAAAAAu+DjDP///wgAAAAAAAAAAAAAAAAAAAAAAAAAAAAAAAAAAAAAZAAAAAEAAABAAAAAAAAAAAAAAAAAAAAAAAAAAAAAAAAAAAAAAAAAAAAAAAAAAAAAAAAAAAAAAAAAAAAAAAAAAAAAAAAAAAAAAAAAAAAAAAAAAAAAAAAAAAAAAAAAAAAAFAAAADwAAAAAAAAAAAAAAAAAAAkUAAAAAQAAABQAAAAUAAAAFAAAAAEAAAAAAAAAZAAAAGQAAAAAAAAAZAAAAGQAAAAVAAAAYAAAAAAAAAAAAAAADwAAACADAAAAAAAAAAAAAAEAAACgMgAAVgcAAKr4//8BAAAAf39/AAEAAABkAAAAAAAAABQAAABAHwAAAAAAACYAAAAAAAAAwOD//wAAAAAmAAAAZAAAABYAAABMAAAAAAAAAAAAAAAEAAAAAAAAAAEAAACAgIAKAAAAACgAAAAoAAAAZAAAAGQAAAAAAAAAzMzMAAAAAABQAAAAUAAAAGQAAABkAAAAAAAAABcAAAAUAAAAAAAAAAAAAAD/fwAA/38AAAAAAAAJAAAABAAAAF8AYAAeAAAAaAAAAAAAAAAAAAAAAAAAAAAAAAAAAAAAECcAABAnAAAAAAAAAAAAAAAAAAAAAAAAAAAAAAAAAAAAAAAAAAAAABQAAAAAAAAAwMD/AAAAAABkAAAAMgAAAAAAAABkAAAAAAAAAH9/fwAKAAAAIgAAABgAAAAAAAAAAAAAAAAAAAAAAAAAAAAAAAAAAAAkAAAAJAAAAAAAAAAHAAAAAAAAAAAAAAAAAAAAAAAAAAAAAAAAAAAAf39/ACUAAABYAAAAAAAAAAAAAAAAAAAAAAAAAAAAAAAAAAAAAAAAAAAAAAAAAAAAAAAAAAAAAAA/AAAAAAAAAKCGAQAAAAAAAAAAAAAAAAAMAAAAAQAAAAAAAAAAAAAAAAAAAB8AAABUAAAAAAAABQAAAAEAAAAAAAAAAAAAAAAAAAAAAAAAAAAAAAAAAAAAAAAAAAAAAAJ/f38AAAAAA8zMzADAwP8Af39/AAAAAAAAAAAAAAAAAAAAAAAAAAAAIQAAABgAAAAUAAAAwAMAANgJAAARRwAAihIAABAAAAAmAAAACAAAAAEAAAAAAAAA"/>
               </a:ext>
             </a:extLst>
           </p:cNvSpPr>
@@ -4059,7 +4059,7 @@
             <a:picLocks noChangeAspect="1"/>
             <a:extLst>
               <a:ext uri="smNativeData">
-                <pr:smNativeData xmlns:pr="smNativeData" xmlns="smNativeData" val="SMDATA_17_msZJaRMAAAAlAAAAEQAAAC8BAAAAkAAAAEgAAACQAAAASAAAAAAAAAAAAAAAAAAAAAEAAABQAAAAAAAAAAAA4D8AAAAAAADgPwAAAAAAAOA/AAAAAAAA4D8AAAAAAADgPwAAAAAAAOA/AAAAAAAA4D8AAAAAAADgPwAAAAAAAOA/AAAAAAAA4D8CAAAAjAAAAAAAAAAAAAAAu+DjDP///wgAAAAAAAAAAAAAAAAAAAAAAAAAAAAAAAAAAAAAZAAAAAEAAABAAAAAAAAAAAAAAAAAAAAAAAAAAAAAAAAAAAAAAAAAAAAAAAAAAAAAAAAAAAAAAAAAAAAAAAAAAAAAAAAAAAAAAAAAAAAAAAAAAAAAAAAAAAAAAAAAAAAAFAAAADwAAAAAAAAAAAAAAAAAAAkUAAAAAQAAABQAAAAUAAAAFAAAAAEAAAAAAAAAZAAAAGQAAAAAAAAAZAAAAGQAAAAVAAAAYAAAAAAAAAAAAAAADwAAACADAAAAAAAAAAAAAAEAAACgMgAAVgcAAKr4//8BAAAAf39/AAEAAABkAAAAAAAAABQAAABAHwAAAAAAACYAAAAAAAAAwOD//wAAAAAmAAAAZAAAABYAAABMAAAAAAAAAAAAAAAEAAAAAAAAAAEAAACAgIAKAAAAACgAAAAoAAAAZAAAAGQAAAAAAAAAzMzMAAAAAABQAAAAUAAAAGQAAABkAAAAAAAAAAcAAAA4AAAAAAAAAAAAAAAAAAAA////AAAAAAAAAAAAAAAAAAAAAAAAAAAAAAAAAAAAAABkAAAAZAAAAAAAAAAjAAAABAAAAGQAAAAXAAAAFAAAAAAAAAAAAAAA/38AAP9/AAAAAAAACQAAAAQAAADXMc/nHgAAAGgAAAAAAAAAAAAAAAAAAAAAAAAAAAAAABAnAAAQJwAAAAAAAAAAAAAAAAAAAAAAAAAAAAAAAAAAAAAAAAAAAAAUAAAAAAAAAMDA/wAAAAAAZAAAADIAAAAAAAAAZAAAAAAAAAB/f38ACgAAACIAAAAYAAAAAAAAAAAAAAAAAAAAAAAAAAAAAAAAAAAAJAAAACQAAAAAAAAABwAAAAAAAAAAAAAAAAAAAAAAAAAAAAAAAAAAAH9/fwAlAAAAWAAAAAAAAAAAAAAAAAAAAAAAAAAAAAAAAAAAAAAAAAAAAAAAAAAAAAAAAAAAAAAAPwAAAAAAAACghgEAAAAAAAAAAAAAAAAADAAAAAEAAAAAAAAAAAAAAAAAAAAfAAAAVAAAALvg4wX///8BAAAAAAAAAAAAAAAAAAAAAAAAAAAAAAAAAAAAAAAAAAAAAAACf39/AICAgAPMzMwAwMD/AH9/fwAAAAAAAAAAAAAAAAD///8AAAAAACEAAAAYAAAAFAAAACITAAC4FgAAyi4AANgmAAAQAAAAJgAAAAgAAAD//////////w=="/>
+                <pr:smNativeData xmlns:pr="smNativeData" xmlns="smNativeData" val="SMDATA_17_D/RJaRMAAAAlAAAAEQAAAC8BAAAAkAAAAEgAAACQAAAASAAAAAAAAAAAAAAAAAAAAAEAAABQAAAAAAAAAAAA4D8AAAAAAADgPwAAAAAAAOA/AAAAAAAA4D8AAAAAAADgPwAAAAAAAOA/AAAAAAAA4D8AAAAAAADgPwAAAAAAAOA/AAAAAAAA4D8CAAAAjAAAAAAAAAAAAAAAu+DjDP///wgAAAAAAAAAAAAAAAAAAAAAAAAAAAAAAAAAAAAAZAAAAAEAAABAAAAAAAAAAAAAAAAAAAAAAAAAAAAAAAAAAAAAAAAAAAAAAAAAAAAAAAAAAAAAAAAAAAAAAAAAAAAAAAAAAAAAAAAAAAAAAAAAAAAAAAAAAAAAAAAAAAAAFAAAADwAAAAAAAAAAAAAAAAAAAkUAAAAAQAAABQAAAAUAAAAFAAAAAEAAAAAAAAAZAAAAGQAAAAAAAAAZAAAAGQAAAAVAAAAYAAAAAAAAAAAAAAADwAAACADAAAAAAAAAAAAAAEAAACgMgAAVgcAAKr4//8BAAAAf39/AAEAAABkAAAAAAAAABQAAABAHwAAAAAAACYAAAAAAAAAwOD//wAAAAAmAAAAZAAAABYAAABMAAAAAAAAAAAAAAAEAAAAAAAAAAEAAACAgIAKAAAAACgAAAAoAAAAZAAAAGQAAAAAAAAAzMzMAAAAAABQAAAAUAAAAGQAAABkAAAAAAAAAAcAAAA4AAAAAAAAAAAAAAAAAAAA////AAAAAAAAAAAAAAAAAAAAAAAAAAAAAAAAAAAAAABkAAAAZAAAAAAAAAAjAAAABAAAAGQAAAAXAAAAFAAAAAAAAAAAAAAA/38AAP9/AAAAAAAACQAAAAQAAADXMc/nHgAAAGgAAAAAAAAAAAAAAAAAAAAAAAAAAAAAABAnAAAQJwAAAAAAAAAAAAAAAAAAAAAAAAAAAAAAAAAAAAAAAAAAAAAUAAAAAAAAAMDA/wAAAAAAZAAAADIAAAAAAAAAZAAAAAAAAAB/f38ACgAAACIAAAAYAAAAAAAAAAAAAAAAAAAAAAAAAAAAAAAAAAAAJAAAACQAAAAAAAAABwAAAAAAAAAAAAAAAAAAAAAAAAAAAAAAAAAAAH9/fwAlAAAAWAAAAAAAAAAAAAAAAAAAAAAAAAAAAAAAAAAAAAAAAAAAAAAAAAAAAAAAAAAAAAAAPwAAAAAAAACghgEAAAAAAAAAAAAAAAAADAAAAAEAAAAAAAAAAAAAAAAAAAAfAAAAVAAAALvg4wX///8BAAAAAAAAAAAAAAAAAAAAAAAAAAAAAAAAAAAAAAAAAAAAAAACf39/AICAgAPMzMwAwMD/AH9/fwAAAAAAAAAAAAAAAAD///8AAAAAACEAAAAYAAAAFAAAACITAAC4FgAAyi4AANgmAAAQAAAAJgAAAAgAAAD//////////w=="/>
               </a:ext>
             </a:extLst>
           </p:cNvPicPr>
@@ -4125,7 +4125,7 @@
             <a:spLocks noGrp="1" noChangeArrowheads="1"/>
             <a:extLst>
               <a:ext uri="smNativeData">
-                <pr:smNativeData xmlns:pr="smNativeData" xmlns="smNativeData" val="SMDATA_15_msZJaRMAAAAlAAAAZAAAAA0AAAAAkAAAAEgAAACQAAAASAAAAAAAAAABAAAAAAAAAAEAAABQAAAAAAAAAAAA4D8AAAAAAADgPwAAAAAAAOA/AAAAAAAA4D8AAAAAAADgPwAAAAAAAOA/AAAAAAAA4D8AAAAAAADgPwAAAAAAAOA/AAAAAAAA4D8CAAAAjAAAAAAAAAAAAAAAu+DjDP///wgAAAAAAAAAAAAAAAAAAAAAAAAAAAAAAAAAAAAAZAAAAAEAAABAAAAAAAAAAAAAAAAAAAAAAAAAAAAAAAAAAAAAAAAAAAAAAAAAAAAAAAAAAAAAAAAAAAAAAAAAAAAAAAAAAAAAAAAAAAAAAAAAAAAAAAAAAAAAAAAAAAAAFAAAADwAAAAAAAAAAAAAAAAAAAkUAAAAAQAAABQAAAAUAAAAFAAAAAEAAAAAAAAAZAAAAGQAAAAAAAAAZAAAAGQAAAAVAAAAYAAAAAAAAAAAAAAADwAAACADAAAAAAAAAAAAAAEAAACgMgAAVgcAAKr4//8BAAAAf39/AAEAAABkAAAAAAAAABQAAABAHwAAAAAAACYAAAAAAAAAwOD//wAAAAAmAAAAZAAAABYAAABMAAAAAAAAAAAAAAAEAAAAAAAAAAEAAACAgIAKAAAAACgAAAAoAAAAZAAAAGQAAAAAAAAAzMzMAAAAAABQAAAAUAAAAGQAAABkAAAAAAAAABcAAAAUAAAAAAAAAAAAAAD/fwAA/38AAAAAAAAJAAAABAAAAF8AYAAeAAAAaAAAAAAAAAAAAAAAAAAAAAAAAAAAAAAAECcAABAnAAAAAAAAAAAAAAAAAAAAAAAAAAAAAAAAAAAAAAAAAAAAABQAAAAAAAAAwMD/AAAAAABkAAAAMgAAAAAAAABkAAAAAAAAAH9/fwAKAAAAIgAAABgAAAAAAAAAAAAAAAAAAAAAAAAAAAAAAAAAAAAkAAAAJAAAAAAAAAAHAAAAAAAAAAAAAAAAAAAAAAAAAAAAAAAAAAAAf39/ACUAAABYAAAAAAAAAAAAAAAAAAAAAAAAAAAAAAAAAAAAAAAAAAAAAAAAAAAAAAAAAAAAAAA/AAAAAAAAAKCGAQAAAAAAAAAAAAAAAAAMAAAAAQAAAAAAAAAAAAAAAAAAAB8AAABUAAAAAAAABQAAAAEAAAAAAAAAAAAAAAAAAAAAAAAAAAAAAAAAAAAAAAAAAAAAAAJ/f38AAAAAA8zMzADAwP8Af39/AAAAAAAAAAAAAAAAAAAAAAAAAAAAIQAAABgAAAAUAAAAwAMAALABAABARwAAuAgAABAAAAAmAAAACAAAAAAAAAAAAAAA"/>
+                <pr:smNativeData xmlns:pr="smNativeData" xmlns="smNativeData" val="SMDATA_15_D/RJaRMAAAAlAAAAZAAAAA0AAAAAkAAAAEgAAACQAAAASAAAAAAAAAABAAAAAAAAAAEAAABQAAAAAAAAAAAA4D8AAAAAAADgPwAAAAAAAOA/AAAAAAAA4D8AAAAAAADgPwAAAAAAAOA/AAAAAAAA4D8AAAAAAADgPwAAAAAAAOA/AAAAAAAA4D8CAAAAjAAAAAAAAAAAAAAAu+DjDP///wgAAAAAAAAAAAAAAAAAAAAAAAAAAAAAAAAAAAAAZAAAAAEAAABAAAAAAAAAAAAAAAAAAAAAAAAAAAAAAAAAAAAAAAAAAAAAAAAAAAAAAAAAAAAAAAAAAAAAAAAAAAAAAAAAAAAAAAAAAAAAAAAAAAAAAAAAAAAAAAAAAAAAFAAAADwAAAAAAAAAAAAAAAAAAAkUAAAAAQAAABQAAAAUAAAAFAAAAAEAAAAAAAAAZAAAAGQAAAAAAAAAZAAAAGQAAAAVAAAAYAAAAAAAAAAAAAAADwAAACADAAAAAAAAAAAAAAEAAACgMgAAVgcAAKr4//8BAAAAf39/AAEAAABkAAAAAAAAABQAAABAHwAAAAAAACYAAAAAAAAAwOD//wAAAAAmAAAAZAAAABYAAABMAAAAAAAAAAAAAAAEAAAAAAAAAAEAAACAgIAKAAAAACgAAAAoAAAAZAAAAGQAAAAAAAAAzMzMAAAAAABQAAAAUAAAAGQAAABkAAAAAAAAABcAAAAUAAAAAAAAAAAAAAD/fwAA/38AAAAAAAAJAAAABAAAAF8AYAAeAAAAaAAAAAAAAAAAAAAAAAAAAAAAAAAAAAAAECcAABAnAAAAAAAAAAAAAAAAAAAAAAAAAAAAAAAAAAAAAAAAAAAAABQAAAAAAAAAwMD/AAAAAABkAAAAMgAAAAAAAABkAAAAAAAAAH9/fwAKAAAAIgAAABgAAAAAAAAAAAAAAAAAAAAAAAAAAAAAAAAAAAAkAAAAJAAAAAAAAAAHAAAAAAAAAAAAAAAAAAAAAAAAAAAAAAAAAAAAf39/ACUAAABYAAAAAAAAAAAAAAAAAAAAAAAAAAAAAAAAAAAAAAAAAAAAAAAAAAAAAAAAAAAAAAA/AAAAAAAAAKCGAQAAAAAAAAAAAAAAAAAMAAAAAQAAAAAAAAAAAAAAAAAAAB8AAABUAAAAAAAABQAAAAEAAAAAAAAAAAAAAAAAAAAAAAAAAAAAAAAAAAAAAAAAAAAAAAJ/f38AAAAAA8zMzADAwP8Af39/AAAAAAAAAAAAAAAAAAAAAAAAAAAAIQAAABgAAAAUAAAAwAMAALABAABARwAAuAgAABAAAAAmAAAACAAAAAAAAAAAAAAA"/>
               </a:ext>
             </a:extLst>
           </p:cNvSpPr>
@@ -4158,7 +4158,7 @@
             <a:spLocks noGrp="1" noChangeArrowheads="1"/>
             <a:extLst>
               <a:ext uri="smNativeData">
-                <pr:smNativeData xmlns:pr="smNativeData" xmlns="smNativeData" val="SMDATA_15_msZJaRMAAAAlAAAAZAAAAA0AAAAAkAAAAEgAAACQAAAASAAAAAAAAAAAAAAAAAAAAAEAAABQAAAAAAAAAAAA4D8AAAAAAADgPwAAAAAAAOA/AAAAAAAA4D8AAAAAAADgPwAAAAAAAOA/AAAAAAAA4D8AAAAAAADgPwAAAAAAAOA/AAAAAAAA4D8CAAAAjAAAAAAAAAAAAAAAu+DjDP///wgAAAAAAAAAAAAAAAAAAAAAAAAAAAAAAAAAAAAAZAAAAAEAAABAAAAAAAAAAAAAAAAAAAAAAAAAAAAAAAAAAAAAAAAAAAAAAAAAAAAAAAAAAAAAAAAAAAAAAAAAAAAAAAAAAAAAAAAAAAAAAAAAAAAAAAAAAAAAAAAAAAAAFAAAADwAAAAAAAAAAAAAAAAAAAkUAAAAAQAAABQAAAAUAAAAFAAAAAEAAAAAAAAAZAAAAGQAAAAAAAAAZAAAAGQAAAAVAAAAYAAAAAAAAAAAAAAADwAAACADAAAAAAAAAAAAAAEAAACgMgAAVgcAAKr4//8BAAAAf39/AAEAAABkAAAAAAAAABQAAABAHwAAAAAAACYAAAAAAAAAwOD//wAAAAAmAAAAZAAAABYAAABMAAAAAAAAAAAAAAAEAAAAAAAAAAEAAACAgIAKAAAAACgAAAAoAAAAZAAAAGQAAAAAAAAAzMzMAAAAAABQAAAAUAAAAGQAAABkAAAAAAAAABcAAAAUAAAAAAAAAAAAAAD/fwAA/38AAAAAAAAJAAAABAAAAAAAAAAeAAAAaAAAAAAAAAAAAAAAAAAAAAAAAAAAAAAAECcAABAnAAAAAAAAAAAAAAAAAAAAAAAAAAAAAAAAAAAAAAAAAAAAABQAAAAAAAAAwMD/AAAAAABkAAAAMgAAAAAAAABkAAAAAAAAAH9/fwAKAAAAIgAAABgAAAAAAAAAAAAAAAAAAAAAAAAAAAAAAAAAAAAkAAAAJAAAAAAAAAAHAAAAAAAAAAAAAAAAAAAAAAAAAAAAAAAAAAAAf39/ACUAAABYAAAAAAAAAAAAAAAAAAAAAAAAAAAAAAAAAAAAAAAAAAAAAAAAAAAAAAAAAAAAAAA/AAAAAAAAAKCGAQAAAAAAAAAAAAAAAAAMAAAAAQAAAAAAAAAAAAAAAAAAAB8AAABUAAAAAAAABQAAAAEAAAAAAAAAAAAAAAAAAAAAAAAAAAAAAAAAAAAAAAAAAAAAAAJ/f38AAAAAA8zMzADAwP8Af39/AAAAAAAAAAAAAAAAAAAAAAAAAAAAIQAAABgAAAAUAAAAwAMAANgJAABARwAAsCUAABAAAAAmAAAACAAAAAAAAAAAAAAA"/>
+                <pr:smNativeData xmlns:pr="smNativeData" xmlns="smNativeData" val="SMDATA_15_D/RJaRMAAAAlAAAAZAAAAA0AAAAAkAAAAEgAAACQAAAASAAAAAAAAAAAAAAAAAAAAAEAAABQAAAAAAAAAAAA4D8AAAAAAADgPwAAAAAAAOA/AAAAAAAA4D8AAAAAAADgPwAAAAAAAOA/AAAAAAAA4D8AAAAAAADgPwAAAAAAAOA/AAAAAAAA4D8CAAAAjAAAAAAAAAAAAAAAu+DjDP///wgAAAAAAAAAAAAAAAAAAAAAAAAAAAAAAAAAAAAAZAAAAAEAAABAAAAAAAAAAAAAAAAAAAAAAAAAAAAAAAAAAAAAAAAAAAAAAAAAAAAAAAAAAAAAAAAAAAAAAAAAAAAAAAAAAAAAAAAAAAAAAAAAAAAAAAAAAAAAAAAAAAAAFAAAADwAAAAAAAAAAAAAAAAAAAkUAAAAAQAAABQAAAAUAAAAFAAAAAEAAAAAAAAAZAAAAGQAAAAAAAAAZAAAAGQAAAAVAAAAYAAAAAAAAAAAAAAADwAAACADAAAAAAAAAAAAAAEAAACgMgAAVgcAAKr4//8BAAAAf39/AAEAAABkAAAAAAAAABQAAABAHwAAAAAAACYAAAAAAAAAwOD//wAAAAAmAAAAZAAAABYAAABMAAAAAAAAAAAAAAAEAAAAAAAAAAEAAACAgIAKAAAAACgAAAAoAAAAZAAAAGQAAAAAAAAAzMzMAAAAAABQAAAAUAAAAGQAAABkAAAAAAAAABcAAAAUAAAAAAAAAAAAAAD/fwAA/38AAAAAAAAJAAAABAAAAAAAAAAeAAAAaAAAAAAAAAAAAAAAAAAAAAAAAAAAAAAAECcAABAnAAAAAAAAAAAAAAAAAAAAAAAAAAAAAAAAAAAAAAAAAAAAABQAAAAAAAAAwMD/AAAAAABkAAAAMgAAAAAAAABkAAAAAAAAAH9/fwAKAAAAIgAAABgAAAAAAAAAAAAAAAAAAAAAAAAAAAAAAAAAAAAkAAAAJAAAAAAAAAAHAAAAAAAAAAAAAAAAAAAAAAAAAAAAAAAAAAAAf39/ACUAAABYAAAAAAAAAAAAAAAAAAAAAAAAAAAAAAAAAAAAAAAAAAAAAAAAAAAAAAAAAAAAAAA/AAAAAAAAAKCGAQAAAAAAAAAAAAAAAAAMAAAAAQAAAAAAAAAAAAAAAAAAAB8AAABUAAAAAAAABQAAAAEAAAAAAAAAAAAAAAAAAAAAAAAAAAAAAAAAAAAAAAAAAAAAAAJ/f38AAAAAA8zMzADAwP8Af39/AAAAAAAAAAAAAAAAAAAAAAAAAAAAIQAAABgAAAAUAAAAwAMAANgJAABARwAAsCUAABAAAAAmAAAACAAAAAAAAAAAAAAA"/>
               </a:ext>
             </a:extLst>
           </p:cNvSpPr>
@@ -4223,7 +4223,7 @@
             <a:spLocks noGrp="1" noChangeArrowheads="1"/>
             <a:extLst>
               <a:ext uri="smNativeData">
-                <pr:smNativeData xmlns:pr="smNativeData" xmlns="smNativeData" val="SMDATA_15_msZJaRMAAAAlAAAAZAAAAA0AAAAAkAAAAEgAAACQAAAASAAAAAAAAAABAAAAAAAAAAEAAABQAAAAAAAAAAAA4D8AAAAAAADgPwAAAAAAAOA/AAAAAAAA4D8AAAAAAADgPwAAAAAAAOA/AAAAAAAA4D8AAAAAAADgPwAAAAAAAOA/AAAAAAAA4D8CAAAAjAAAAAAAAAAAAAAAu+DjDP///wgAAAAAAAAAAAAAAAAAAAAAAAAAAAAAAAAAAAAAZAAAAAEAAABAAAAAAAAAAAAAAAAAAAAAAAAAAAAAAAAAAAAAAAAAAAAAAAAAAAAAAAAAAAAAAAAAAAAAAAAAAAAAAAAAAAAAAAAAAAAAAAAAAAAAAAAAAAAAAAAAAAAAFAAAADwAAAAAAAAAAAAAAAAAAAkUAAAAAQAAABQAAAAUAAAAFAAAAAEAAAAAAAAAZAAAAGQAAAAAAAAAZAAAAGQAAAAVAAAAYAAAAAAAAAAAAAAADwAAACADAAAAAAAAAAAAAAEAAACgMgAAVgcAAKr4//8BAAAAf39/AAEAAABkAAAAAAAAABQAAABAHwAAAAAAACYAAAAAAAAAwOD//wAAAAAmAAAAZAAAABYAAABMAAAAAAAAAAAAAAAEAAAAAAAAAAEAAACAgIAKAAAAACgAAAAoAAAAZAAAAGQAAAAAAAAAzMzMAAAAAABQAAAAUAAAAGQAAABkAAAAAAAAABcAAAAUAAAAAAAAAAAAAAD/fwAA/38AAAAAAAAJAAAABAAAAF8AYAAeAAAAaAAAAAAAAAAAAAAAAAAAAAAAAAAAAAAAECcAABAnAAAAAAAAAAAAAAAAAAAAAAAAAAAAAAAAAAAAAAAAAAAAABQAAAAAAAAAwMD/AAAAAABkAAAAMgAAAAAAAABkAAAAAAAAAH9/fwAKAAAAIgAAABgAAAAAAAAAAAAAAAAAAAAAAAAAAAAAAAAAAAAkAAAAJAAAAAAAAAAHAAAAAAAAAAAAAAAAAAAAAAAAAAAAAAAAAAAAf39/ACUAAABYAAAAAAAAAAAAAAAAAAAAAAAAAAAAAAAAAAAAAAAAAAAAAAAAAAAAAAAAAAAAAAA/AAAAAAAAAKCGAQAAAAAAAAAAAAAAAAAMAAAAAQAAAAAAAAAAAAAAAAAAAB8AAABUAAAAAAAABQAAAAEAAAAAAAAAAAAAAAAAAAAAAAAAAAAAAAAAAAAAAAAAAAAAAAJ/f38AAAAAA8zMzADAwP8Af39/AAAAAAAAAAAAAAAAAAAAAAAAAAAAIQAAABgAAAAUAAAAwAMAALABAABARwAAuAgAABAAAAAmAAAACAAAAAAAAAAAAAAA"/>
+                <pr:smNativeData xmlns:pr="smNativeData" xmlns="smNativeData" val="SMDATA_15_D/RJaRMAAAAlAAAAZAAAAA0AAAAAkAAAAEgAAACQAAAASAAAAAAAAAABAAAAAAAAAAEAAABQAAAAAAAAAAAA4D8AAAAAAADgPwAAAAAAAOA/AAAAAAAA4D8AAAAAAADgPwAAAAAAAOA/AAAAAAAA4D8AAAAAAADgPwAAAAAAAOA/AAAAAAAA4D8CAAAAjAAAAAAAAAAAAAAAu+DjDP///wgAAAAAAAAAAAAAAAAAAAAAAAAAAAAAAAAAAAAAZAAAAAEAAABAAAAAAAAAAAAAAAAAAAAAAAAAAAAAAAAAAAAAAAAAAAAAAAAAAAAAAAAAAAAAAAAAAAAAAAAAAAAAAAAAAAAAAAAAAAAAAAAAAAAAAAAAAAAAAAAAAAAAFAAAADwAAAAAAAAAAAAAAAAAAAkUAAAAAQAAABQAAAAUAAAAFAAAAAEAAAAAAAAAZAAAAGQAAAAAAAAAZAAAAGQAAAAVAAAAYAAAAAAAAAAAAAAADwAAACADAAAAAAAAAAAAAAEAAACgMgAAVgcAAKr4//8BAAAAf39/AAEAAABkAAAAAAAAABQAAABAHwAAAAAAACYAAAAAAAAAwOD//wAAAAAmAAAAZAAAABYAAABMAAAAAAAAAAAAAAAEAAAAAAAAAAEAAACAgIAKAAAAACgAAAAoAAAAZAAAAGQAAAAAAAAAzMzMAAAAAABQAAAAUAAAAGQAAABkAAAAAAAAABcAAAAUAAAAAAAAAAAAAAD/fwAA/38AAAAAAAAJAAAABAAAAF8AYAAeAAAAaAAAAAAAAAAAAAAAAAAAAAAAAAAAAAAAECcAABAnAAAAAAAAAAAAAAAAAAAAAAAAAAAAAAAAAAAAAAAAAAAAABQAAAAAAAAAwMD/AAAAAABkAAAAMgAAAAAAAABkAAAAAAAAAH9/fwAKAAAAIgAAABgAAAAAAAAAAAAAAAAAAAAAAAAAAAAAAAAAAAAkAAAAJAAAAAAAAAAHAAAAAAAAAAAAAAAAAAAAAAAAAAAAAAAAAAAAf39/ACUAAABYAAAAAAAAAAAAAAAAAAAAAAAAAAAAAAAAAAAAAAAAAAAAAAAAAAAAAAAAAAAAAAA/AAAAAAAAAKCGAQAAAAAAAAAAAAAAAAAMAAAAAQAAAAAAAAAAAAAAAAAAAB8AAABUAAAAAAAABQAAAAEAAAAAAAAAAAAAAAAAAAAAAAAAAAAAAAAAAAAAAAAAAAAAAAJ/f38AAAAAA8zMzADAwP8Af39/AAAAAAAAAAAAAAAAAAAAAAAAAAAAIQAAABgAAAAUAAAAwAMAALABAABARwAAuAgAABAAAAAmAAAACAAAAAAAAAAAAAAA"/>
               </a:ext>
             </a:extLst>
           </p:cNvSpPr>
@@ -4256,7 +4256,7 @@
             <a:spLocks noGrp="1" noChangeArrowheads="1"/>
             <a:extLst>
               <a:ext uri="smNativeData">
-                <pr:smNativeData xmlns:pr="smNativeData" xmlns="smNativeData" val="SMDATA_15_msZJaRMAAAAlAAAAZAAAAA0AAAAAkAAAAEgAAACQAAAASAAAAAAAAAAAAAAAAAAAAAEAAABQAAAAAAAAAAAA4D8AAAAAAADgPwAAAAAAAOA/AAAAAAAA4D8AAAAAAADgPwAAAAAAAOA/AAAAAAAA4D8AAAAAAADgPwAAAAAAAOA/AAAAAAAA4D8CAAAAjAAAAAAAAAAAAAAAu+DjDP///wgAAAAAAAAAAAAAAAAAAAAAAAAAAAAAAAAAAAAAZAAAAAEAAABAAAAAAAAAAAAAAAAAAAAAAAAAAAAAAAAAAAAAAAAAAAAAAAAAAAAAAAAAAAAAAAAAAAAAAAAAAAAAAAAAAAAAAAAAAAAAAAAAAAAAAAAAAAAAAAAAAAAAFAAAADwAAAAAAAAAAAAAAAAAAAkUAAAAAQAAABQAAAAUAAAAFAAAAAEAAAAAAAAAZAAAAGQAAAAAAAAAZAAAAGQAAAAVAAAAYAAAAAAAAAAAAAAADwAAACADAAAAAAAAAAAAAAEAAACgMgAAVgcAAKr4//8BAAAAf39/AAEAAABkAAAAAAAAABQAAABAHwAAAAAAACYAAAAAAAAAwOD//wAAAAAmAAAAZAAAABYAAABMAAAAAAAAAAAAAAAEAAAAAAAAAAEAAACAgIAKAAAAACgAAAAoAAAAZAAAAGQAAAAAAAAAzMzMAAAAAABQAAAAUAAAAGQAAABkAAAAAAAAABcAAAAUAAAAAAAAAAAAAAD/fwAA/38AAAAAAAAJAAAABAAAAF8AYAAeAAAAaAAAAAAAAAAAAAAAAAAAAAAAAAAAAAAAECcAABAnAAAAAAAAAAAAAAAAAAAAAAAAAAAAAAAAAAAAAAAAAAAAABQAAAAAAAAAwMD/AAAAAABkAAAAMgAAAAAAAABkAAAAAAAAAH9/fwAKAAAAIgAAABgAAAAAAAAAAAAAAAAAAAAAAAAAAAAAAAAAAAAkAAAAJAAAAAAAAAAHAAAAAAAAAAAAAAAAAAAAAAAAAAAAAAAAAAAAf39/ACUAAABYAAAAAAAAAAAAAAAAAAAAAAAAAAAAAAAAAAAAAAAAAAAAAAAAAAAAAAAAAAAAAAA/AAAAAAAAAKCGAQAAAAAAAAAAAAAAAAAMAAAAAQAAAAAAAAAAAAAAAAAAAB8AAABUAAAAAAAABQAAAAEAAAAAAAAAAAAAAAAAAAAAAAAAAAAAAAAAAAAAAAAAAAAAAAJ/f38AAAAAA8zMzADAwP8Af39/AAAAAAAAAAAAAAAAAAAAAAAAAAAAIQAAABgAAAAUAAAAwAMAANgJAABARwAAsCUAABAAAAAmAAAACAAAAAAAAAAAAAAA"/>
+                <pr:smNativeData xmlns:pr="smNativeData" xmlns="smNativeData" val="SMDATA_15_D/RJaRMAAAAlAAAAZAAAAA0AAAAAkAAAAEgAAACQAAAASAAAAAAAAAAAAAAAAAAAAAEAAABQAAAAAAAAAAAA4D8AAAAAAADgPwAAAAAAAOA/AAAAAAAA4D8AAAAAAADgPwAAAAAAAOA/AAAAAAAA4D8AAAAAAADgPwAAAAAAAOA/AAAAAAAA4D8CAAAAjAAAAAAAAAAAAAAAu+DjDP///wgAAAAAAAAAAAAAAAAAAAAAAAAAAAAAAAAAAAAAZAAAAAEAAABAAAAAAAAAAAAAAAAAAAAAAAAAAAAAAAAAAAAAAAAAAAAAAAAAAAAAAAAAAAAAAAAAAAAAAAAAAAAAAAAAAAAAAAAAAAAAAAAAAAAAAAAAAAAAAAAAAAAAFAAAADwAAAAAAAAAAAAAAAAAAAkUAAAAAQAAABQAAAAUAAAAFAAAAAEAAAAAAAAAZAAAAGQAAAAAAAAAZAAAAGQAAAAVAAAAYAAAAAAAAAAAAAAADwAAACADAAAAAAAAAAAAAAEAAACgMgAAVgcAAKr4//8BAAAAf39/AAEAAABkAAAAAAAAABQAAABAHwAAAAAAACYAAAAAAAAAwOD//wAAAAAmAAAAZAAAABYAAABMAAAAAAAAAAAAAAAEAAAAAAAAAAEAAACAgIAKAAAAACgAAAAoAAAAZAAAAGQAAAAAAAAAzMzMAAAAAABQAAAAUAAAAGQAAABkAAAAAAAAABcAAAAUAAAAAAAAAAAAAAD/fwAA/38AAAAAAAAJAAAABAAAAF8AYAAeAAAAaAAAAAAAAAAAAAAAAAAAAAAAAAAAAAAAECcAABAnAAAAAAAAAAAAAAAAAAAAAAAAAAAAAAAAAAAAAAAAAAAAABQAAAAAAAAAwMD/AAAAAABkAAAAMgAAAAAAAABkAAAAAAAAAH9/fwAKAAAAIgAAABgAAAAAAAAAAAAAAAAAAAAAAAAAAAAAAAAAAAAkAAAAJAAAAAAAAAAHAAAAAAAAAAAAAAAAAAAAAAAAAAAAAAAAAAAAf39/ACUAAABYAAAAAAAAAAAAAAAAAAAAAAAAAAAAAAAAAAAAAAAAAAAAAAAAAAAAAAAAAAAAAAA/AAAAAAAAAKCGAQAAAAAAAAAAAAAAAAAMAAAAAQAAAAAAAAAAAAAAAAAAAB8AAABUAAAAAAAABQAAAAEAAAAAAAAAAAAAAAAAAAAAAAAAAAAAAAAAAAAAAAAAAAAAAAJ/f38AAAAAA8zMzADAwP8Af39/AAAAAAAAAAAAAAAAAAAAAAAAAAAAIQAAABgAAAAUAAAAwAMAANgJAABARwAAsCUAAAAAAAAmAAAACAAAAAEAAAAAAAAA"/>
               </a:ext>
             </a:extLst>
           </p:cNvSpPr>
@@ -4264,7 +4264,12 @@
             <p:ph type="body" idx="1"/>
           </p:nvPr>
         </p:nvSpPr>
-        <p:spPr/>
+        <p:spPr>
+          <a:xfrm>
+            <a:off x="609600" y="1600200"/>
+            <a:ext cx="10972800" cy="4526280"/>
+          </a:xfrm>
+        </p:spPr>
         <p:txBody>
           <a:bodyPr/>
           <a:lstStyle/>
@@ -4273,6 +4278,45 @@
             <a:r>
               <a:t>YOLO - You Only Look Once - single stage/pass</a:t>
             </a:r>
+          </a:p>
+          <a:p>
+            <a:pPr lvl="1"/>
+            <a:r>
+              <a:t>Latest versions are v5 / v8 / v11</a:t>
+            </a:r>
+          </a:p>
+          <a:p>
+            <a:pPr lvl="2"/>
+            <a:r>
+              <a:t>v5: </a:t>
+            </a:r>
+            <a:r>
+              <a:rPr cap="none">
+                <a:hlinkClick r:id="rId2"/>
+              </a:rPr>
+              <a:t>https://github.com/ultralytics/yolov5</a:t>
+            </a:r>
+          </a:p>
+          <a:p>
+            <a:pPr lvl="2"/>
+            <a:r>
+              <a:t>v8: ?same as v11?</a:t>
+            </a:r>
+          </a:p>
+          <a:p>
+            <a:pPr lvl="2"/>
+            <a:r>
+              <a:t>v11: </a:t>
+            </a:r>
+            <a:r>
+              <a:rPr cap="none">
+                <a:hlinkClick r:id="rId3"/>
+              </a:rPr>
+              <a:t>https://github.com/ultralytics/ultralytics</a:t>
+            </a:r>
+          </a:p>
+          <a:p>
+            <a:pPr lvl="2"/>
           </a:p>
           <a:p>
             <a:pPr/>
@@ -4348,7 +4392,7 @@
             <a:spLocks noGrp="1" noChangeArrowheads="1"/>
             <a:extLst>
               <a:ext uri="smNativeData">
-                <pr:smNativeData xmlns:pr="smNativeData" xmlns="smNativeData" val="SMDATA_15_msZJaRMAAAAlAAAAZAAAAA0AAAAAkAAAAEgAAACQAAAASAAAAAAAAAABAAAAAAAAAAEAAABQAAAAAAAAAAAA4D8AAAAAAADgPwAAAAAAAOA/AAAAAAAA4D8AAAAAAADgPwAAAAAAAOA/AAAAAAAA4D8AAAAAAADgPwAAAAAAAOA/AAAAAAAA4D8CAAAAjAAAAAAAAAAAAAAAu+DjDP///wgAAAAAAAAAAAAAAAAAAAAAAAAAAAAAAAAAAAAAZAAAAAEAAABAAAAAAAAAAAAAAAAAAAAAAAAAAAAAAAAAAAAAAAAAAAAAAAAAAAAAAAAAAAAAAAAAAAAAAAAAAAAAAAAAAAAAAAAAAAAAAAAAAAAAAAAAAAAAAAAAAAAAFAAAADwAAAAAAAAAAAAAAAAAAAkUAAAAAQAAABQAAAAUAAAAFAAAAAEAAAAAAAAAZAAAAGQAAAAAAAAAZAAAAGQAAAAVAAAAYAAAAAAAAAAAAAAADwAAACADAAAAAAAAAAAAAAEAAACgMgAAVgcAAKr4//8BAAAAf39/AAEAAABkAAAAAAAAABQAAABAHwAAAAAAACYAAAAAAAAAwOD//wAAAAAmAAAAZAAAABYAAABMAAAAAAAAAAAAAAAEAAAAAAAAAAEAAACAgIAKAAAAACgAAAAoAAAAZAAAAGQAAAAAAAAAzMzMAAAAAABQAAAAUAAAAGQAAABkAAAAAAAAABcAAAAUAAAAAAAAAAAAAAD/fwAA/38AAAAAAAAJAAAABAAAAAAAAAAeAAAAaAAAAAAAAAAAAAAAAAAAAAAAAAAAAAAAECcAABAnAAAAAAAAAAAAAAAAAAAAAAAAAAAAAAAAAAAAAAAAAAAAABQAAAAAAAAAwMD/AAAAAABkAAAAMgAAAAAAAABkAAAAAAAAAH9/fwAKAAAAIgAAABgAAAAAAAAAAAAAAAAAAAAAAAAAAAAAAAAAAAAkAAAAJAAAAAAAAAAHAAAAAAAAAAAAAAAAAAAAAAAAAAAAAAAAAAAAf39/ACUAAABYAAAAAAAAAAAAAAAAAAAAAAAAAAAAAAAAAAAAAAAAAAAAAAAAAAAAAAAAAAAAAAA/AAAAAAAAAKCGAQAAAAAAAAAAAAAAAAAMAAAAAQAAAAAAAAAAAAAAAAAAAB8AAABUAAAAAAAABQAAAAEAAAAAAAAAAAAAAAAAAAAAAAAAAAAAAAAAAAAAAAAAAAAAAAJ/f38AAAAAA8zMzADAwP8Af39/AAAAAAAAAAAAAAAAAAAAAAAAAAAAIQAAABgAAAAUAAAAwAMAALABAABARwAAuAgAAAAAAAAmAAAACAAAAAEAAAAAAAAA"/>
+                <pr:smNativeData xmlns:pr="smNativeData" xmlns="smNativeData" val="SMDATA_15_D/RJaRMAAAAlAAAAZAAAAA0AAAAAkAAAAEgAAACQAAAASAAAAAAAAAABAAAAAAAAAAEAAABQAAAAAAAAAAAA4D8AAAAAAADgPwAAAAAAAOA/AAAAAAAA4D8AAAAAAADgPwAAAAAAAOA/AAAAAAAA4D8AAAAAAADgPwAAAAAAAOA/AAAAAAAA4D8CAAAAjAAAAAAAAAAAAAAAu+DjDP///wgAAAAAAAAAAAAAAAAAAAAAAAAAAAAAAAAAAAAAZAAAAAEAAABAAAAAAAAAAAAAAAAAAAAAAAAAAAAAAAAAAAAAAAAAAAAAAAAAAAAAAAAAAAAAAAAAAAAAAAAAAAAAAAAAAAAAAAAAAAAAAAAAAAAAAAAAAAAAAAAAAAAAFAAAADwAAAAAAAAAAAAAAAAAAAkUAAAAAQAAABQAAAAUAAAAFAAAAAEAAAAAAAAAZAAAAGQAAAAAAAAAZAAAAGQAAAAVAAAAYAAAAAAAAAAAAAAADwAAACADAAAAAAAAAAAAAAEAAACgMgAAVgcAAKr4//8BAAAAf39/AAEAAABkAAAAAAAAABQAAABAHwAAAAAAACYAAAAAAAAAwOD//wAAAAAmAAAAZAAAABYAAABMAAAAAAAAAAAAAAAEAAAAAAAAAAEAAACAgIAKAAAAACgAAAAoAAAAZAAAAGQAAAAAAAAAzMzMAAAAAABQAAAAUAAAAGQAAABkAAAAAAAAABcAAAAUAAAAAAAAAAAAAAD/fwAA/38AAAAAAAAJAAAABAAAAAAAAAAeAAAAaAAAAAAAAAAAAAAAAAAAAAAAAAAAAAAAECcAABAnAAAAAAAAAAAAAAAAAAAAAAAAAAAAAAAAAAAAAAAAAAAAABQAAAAAAAAAwMD/AAAAAABkAAAAMgAAAAAAAABkAAAAAAAAAH9/fwAKAAAAIgAAABgAAAAAAAAAAAAAAAAAAAAAAAAAAAAAAAAAAAAkAAAAJAAAAAAAAAAHAAAAAAAAAAAAAAAAAAAAAAAAAAAAAAAAAAAAf39/ACUAAABYAAAAAAAAAAAAAAAAAAAAAAAAAAAAAAAAAAAAAAAAAAAAAAAAAAAAAAAAAAAAAAA/AAAAAAAAAKCGAQAAAAAAAAAAAAAAAAAMAAAAAQAAAAAAAAAAAAAAAAAAAB8AAABUAAAAAAAABQAAAAEAAAAAAAAAAAAAAAAAAAAAAAAAAAAAAAAAAAAAAAAAAAAAAAJ/f38AAAAAA8zMzADAwP8Af39/AAAAAAAAAAAAAAAAAAAAAAAAAAAAIQAAABgAAAAUAAAAwAMAALABAABARwAAuAgAABAAAAAmAAAACAAAAAAAAAAAAAAA"/>
               </a:ext>
             </a:extLst>
           </p:cNvSpPr>
@@ -4356,12 +4400,7 @@
             <p:ph type="title"/>
           </p:nvPr>
         </p:nvSpPr>
-        <p:spPr>
-          <a:xfrm>
-            <a:off x="609600" y="274320"/>
-            <a:ext cx="10972800" cy="1143000"/>
-          </a:xfrm>
-        </p:spPr>
+        <p:spPr/>
         <p:txBody>
           <a:bodyPr/>
           <a:lstStyle/>
@@ -4386,7 +4425,7 @@
             <a:spLocks noGrp="1" noChangeArrowheads="1"/>
             <a:extLst>
               <a:ext uri="smNativeData">
-                <pr:smNativeData xmlns:pr="smNativeData" xmlns="smNativeData" val="SMDATA_15_msZJaRMAAAAlAAAAZAAAAA0AAAAAkAAAAEgAAACQAAAASAAAAAAAAAAAAAAAAAAAAAEAAABQAAAAAAAAAAAA4D8AAAAAAADgPwAAAAAAAOA/AAAAAAAA4D8AAAAAAADgPwAAAAAAAOA/AAAAAAAA4D8AAAAAAADgPwAAAAAAAOA/AAAAAAAA4D8CAAAAjAAAAAAAAAAAAAAAu+DjDP///wgAAAAAAAAAAAAAAAAAAAAAAAAAAAAAAAAAAAAAZAAAAAEAAABAAAAAAAAAAAAAAAAAAAAAAAAAAAAAAAAAAAAAAAAAAAAAAAAAAAAAAAAAAAAAAAAAAAAAAAAAAAAAAAAAAAAAAAAAAAAAAAAAAAAAAAAAAAAAAAAAAAAAFAAAADwAAAAAAAAAAAAAAAAAAAkUAAAAAQAAABQAAAAUAAAAFAAAAAEAAAAAAAAAZAAAAGQAAAAAAAAAZAAAAGQAAAAVAAAAYAAAAAAAAAAAAAAADwAAACADAAAAAAAAAAAAAAEAAACgMgAAVgcAAKr4//8BAAAAf39/AAEAAABkAAAAAAAAABQAAABAHwAAAAAAACYAAAAAAAAAwOD//wAAAAAmAAAAZAAAABYAAABMAAAAAAAAAAAAAAAEAAAAAAAAAAEAAACAgIAKAAAAACgAAAAoAAAAZAAAAGQAAAAAAAAAzMzMAAAAAABQAAAAUAAAAGQAAABkAAAAAAAAABcAAAAUAAAAAAAAAAAAAAD/fwAA/38AAAAAAAAJAAAABAAAAAAAAAAeAAAAaAAAAAAAAAAAAAAAAAAAAAAAAAAAAAAAECcAABAnAAAAAAAAAAAAAAAAAAAAAAAAAAAAAAAAAAAAAAAAAAAAABQAAAAAAAAAwMD/AAAAAABkAAAAMgAAAAAAAABkAAAAAAAAAH9/fwAKAAAAIgAAABgAAAAAAAAAAAAAAAAAAAAAAAAAAAAAAAAAAAAkAAAAJAAAAAAAAAAHAAAAAAAAAAAAAAAAAAAAAAAAAAAAAAAAAAAAf39/ACUAAABYAAAAAAAAAAAAAAAAAAAAAAAAAAAAAAAAAAAAAAAAAAAAAAAAAAAAAAAAAAAAAAA/AAAAAAAAAKCGAQAAAAAAAAAAAAAAAAAMAAAAAQAAAAAAAAAAAAAAAAAAAB8AAABUAAAAAAAABQAAAAEAAAAAAAAAAAAAAAAAAAAAAAAAAAAAAAAAAAAAAAAAAAAAAAJ/f38AAAAAA8zMzADAwP8Af39/AAAAAAAAAAAAAAAAAAAAAAAAAAAAIQAAABgAAAAUAAAAwAMAANgJAABARwAAsCUAAAAAAAAmAAAACAAAAAEAAAAAAAAA"/>
+                <pr:smNativeData xmlns:pr="smNativeData" xmlns="smNativeData" val="SMDATA_15_D/RJaRMAAAAlAAAAZAAAAA0AAAAAkAAAAEgAAACQAAAASAAAAAAAAAAAAAAAAAAAAAEAAABQAAAAAAAAAAAA4D8AAAAAAADgPwAAAAAAAOA/AAAAAAAA4D8AAAAAAADgPwAAAAAAAOA/AAAAAAAA4D8AAAAAAADgPwAAAAAAAOA/AAAAAAAA4D8CAAAAjAAAAAAAAAAAAAAAu+DjDP///wgAAAAAAAAAAAAAAAAAAAAAAAAAAAAAAAAAAAAAZAAAAAEAAABAAAAAAAAAAAAAAAAAAAAAAAAAAAAAAAAAAAAAAAAAAAAAAAAAAAAAAAAAAAAAAAAAAAAAAAAAAAAAAAAAAAAAAAAAAAAAAAAAAAAAAAAAAAAAAAAAAAAAFAAAADwAAAAAAAAAAAAAAAAAAAkUAAAAAQAAABQAAAAUAAAAFAAAAAEAAAAAAAAAZAAAAGQAAAAAAAAAZAAAAGQAAAAVAAAAYAAAAAAAAAAAAAAADwAAACADAAAAAAAAAAAAAAEAAACgMgAAVgcAAKr4//8BAAAAf39/AAEAAABkAAAAAAAAABQAAABAHwAAAAAAACYAAAAAAAAAwOD//wAAAAAmAAAAZAAAABYAAABMAAAAAAAAAAAAAAAEAAAAAAAAAAEAAACAgIAKAAAAACgAAAAoAAAAZAAAAGQAAAAAAAAAzMzMAAAAAABQAAAAUAAAAGQAAABkAAAAAAAAABcAAAAUAAAAAAAAAAAAAAD/fwAA/38AAAAAAAAJAAAABAAAAAAAAAAeAAAAaAAAAAAAAAAAAAAAAAAAAAAAAAAAAAAAECcAABAnAAAAAAAAAAAAAAAAAAAAAAAAAAAAAAAAAAAAAAAAAAAAABQAAAAAAAAAwMD/AAAAAABkAAAAMgAAAAAAAABkAAAAAAAAAH9/fwAKAAAAIgAAABgAAAAAAAAAAAAAAAAAAAAAAAAAAAAAAAAAAAAkAAAAJAAAAAAAAAAHAAAAAAAAAAAAAAAAAAAAAAAAAAAAAAAAAAAAf39/ACUAAABYAAAAAAAAAAAAAAAAAAAAAAAAAAAAAAAAAAAAAAAAAAAAAAAAAAAAAAAAAAAAAAA/AAAAAAAAAKCGAQAAAAAAAAAAAAAAAAAMAAAAAQAAAAAAAAAAAAAAAAAAAB8AAABUAAAAAAAABQAAAAEAAAAAAAAAAAAAAAAAAAAAAAAAAAAAAAAAAAAAAAAAAAAAAAJ/f38AAAAAA8zMzADAwP8Af39/AAAAAAAAAAAAAAAAAAAAAAAAAAAAIQAAABgAAAAUAAAAwAMAANgJAABARwAAsCUAABAAAAAmAAAACAAAAAAAAAAAAAAA"/>
               </a:ext>
             </a:extLst>
           </p:cNvSpPr>
@@ -4394,12 +4433,7 @@
             <p:ph type="body" idx="1"/>
           </p:nvPr>
         </p:nvSpPr>
-        <p:spPr>
-          <a:xfrm>
-            <a:off x="609600" y="1600200"/>
-            <a:ext cx="10972800" cy="4526280"/>
-          </a:xfrm>
-        </p:spPr>
+        <p:spPr/>
         <p:txBody>
           <a:bodyPr/>
           <a:lstStyle/>
@@ -4489,7 +4523,7 @@
             <a:spLocks noGrp="1" noChangeArrowheads="1"/>
             <a:extLst>
               <a:ext uri="smNativeData">
-                <pr:smNativeData xmlns:pr="smNativeData" xmlns="smNativeData" val="SMDATA_15_msZJaRMAAAAlAAAAZAAAAA0AAAAAkAAAAEgAAACQAAAASAAAAAAAAAABAAAAAAAAAAEAAABQAAAAAAAAAAAA4D8AAAAAAADgPwAAAAAAAOA/AAAAAAAA4D8AAAAAAADgPwAAAAAAAOA/AAAAAAAA4D8AAAAAAADgPwAAAAAAAOA/AAAAAAAA4D8CAAAAjAAAAAAAAAAAAAAAu+DjDP///wgAAAAAAAAAAAAAAAAAAAAAAAAAAAAAAAAAAAAAZAAAAAEAAABAAAAAAAAAAAAAAAAAAAAAAAAAAAAAAAAAAAAAAAAAAAAAAAAAAAAAAAAAAAAAAAAAAAAAAAAAAAAAAAAAAAAAAAAAAAAAAAAAAAAAAAAAAAAAAAAAAAAAFAAAADwAAAAAAAAAAAAAAAAAAAkUAAAAAQAAABQAAAAUAAAAFAAAAAEAAAAAAAAAZAAAAGQAAAAAAAAAZAAAAGQAAAAVAAAAYAAAAAAAAAAAAAAADwAAACADAAAAAAAAAAAAAAEAAACgMgAAVgcAAKr4//8BAAAAf39/AAEAAABkAAAAAAAAABQAAABAHwAAAAAAACYAAAAAAAAAwOD//wAAAAAmAAAAZAAAABYAAABMAAAAAAAAAAAAAAAEAAAAAAAAAAEAAACAgIAKAAAAACgAAAAoAAAAZAAAAGQAAAAAAAAAzMzMAAAAAABQAAAAUAAAAGQAAABkAAAAAAAAABcAAAAUAAAAAAAAAAAAAAD/fwAA/38AAAAAAAAJAAAABAAAAF8AYAAeAAAAaAAAAAAAAAAAAAAAAAAAAAAAAAAAAAAAECcAABAnAAAAAAAAAAAAAAAAAAAAAAAAAAAAAAAAAAAAAAAAAAAAABQAAAAAAAAAwMD/AAAAAABkAAAAMgAAAAAAAABkAAAAAAAAAH9/fwAKAAAAIgAAABgAAAAAAAAAAAAAAAAAAAAAAAAAAAAAAAAAAAAkAAAAJAAAAAAAAAAHAAAAAAAAAAAAAAAAAAAAAAAAAAAAAAAAAAAAf39/ACUAAABYAAAAAAAAAAAAAAAAAAAAAAAAAAAAAAAAAAAAAAAAAAAAAAAAAAAAAAAAAAAAAAA/AAAAAAAAAKCGAQAAAAAAAAAAAAAAAAAMAAAAAQAAAAAAAAAAAAAAAAAAAB8AAABUAAAAAAAABQAAAAEAAAAAAAAAAAAAAAAAAAAAAAAAAAAAAAAAAAAAAAAAAAAAAAJ/f38AAAAAA8zMzADAwP8Af39/AAAAAAAAAAAAAAAAAAAAAAAAAAAAIQAAABgAAAAUAAAAwAMAALABAABARwAAuAgAABAAAAAmAAAACAAAAAAAAAAAAAAA"/>
+                <pr:smNativeData xmlns:pr="smNativeData" xmlns="smNativeData" val="SMDATA_15_D/RJaRMAAAAlAAAAZAAAAA0AAAAAkAAAAEgAAACQAAAASAAAAAAAAAABAAAAAAAAAAEAAABQAAAAAAAAAAAA4D8AAAAAAADgPwAAAAAAAOA/AAAAAAAA4D8AAAAAAADgPwAAAAAAAOA/AAAAAAAA4D8AAAAAAADgPwAAAAAAAOA/AAAAAAAA4D8CAAAAjAAAAAAAAAAAAAAAu+DjDP///wgAAAAAAAAAAAAAAAAAAAAAAAAAAAAAAAAAAAAAZAAAAAEAAABAAAAAAAAAAAAAAAAAAAAAAAAAAAAAAAAAAAAAAAAAAAAAAAAAAAAAAAAAAAAAAAAAAAAAAAAAAAAAAAAAAAAAAAAAAAAAAAAAAAAAAAAAAAAAAAAAAAAAFAAAADwAAAAAAAAAAAAAAAAAAAkUAAAAAQAAABQAAAAUAAAAFAAAAAEAAAAAAAAAZAAAAGQAAAAAAAAAZAAAAGQAAAAVAAAAYAAAAAAAAAAAAAAADwAAACADAAAAAAAAAAAAAAEAAACgMgAAVgcAAKr4//8BAAAAf39/AAEAAABkAAAAAAAAABQAAABAHwAAAAAAACYAAAAAAAAAwOD//wAAAAAmAAAAZAAAABYAAABMAAAAAAAAAAAAAAAEAAAAAAAAAAEAAACAgIAKAAAAACgAAAAoAAAAZAAAAGQAAAAAAAAAzMzMAAAAAABQAAAAUAAAAGQAAABkAAAAAAAAABcAAAAUAAAAAAAAAAAAAAD/fwAA/38AAAAAAAAJAAAABAAAAF8AYAAeAAAAaAAAAAAAAAAAAAAAAAAAAAAAAAAAAAAAECcAABAnAAAAAAAAAAAAAAAAAAAAAAAAAAAAAAAAAAAAAAAAAAAAABQAAAAAAAAAwMD/AAAAAABkAAAAMgAAAAAAAABkAAAAAAAAAH9/fwAKAAAAIgAAABgAAAAAAAAAAAAAAAAAAAAAAAAAAAAAAAAAAAAkAAAAJAAAAAAAAAAHAAAAAAAAAAAAAAAAAAAAAAAAAAAAAAAAAAAAf39/ACUAAABYAAAAAAAAAAAAAAAAAAAAAAAAAAAAAAAAAAAAAAAAAAAAAAAAAAAAAAAAAAAAAAA/AAAAAAAAAKCGAQAAAAAAAAAAAAAAAAAMAAAAAQAAAAAAAAAAAAAAAAAAAB8AAABUAAAAAAAABQAAAAEAAAAAAAAAAAAAAAAAAAAAAAAAAAAAAAAAAAAAAAAAAAAAAAJ/f38AAAAAA8zMzADAwP8Af39/AAAAAAAAAAAAAAAAAAAAAAAAAAAAIQAAABgAAAAUAAAAwAMAALABAABARwAAuAgAABAAAAAmAAAACAAAAAAAAAAAAAAA"/>
               </a:ext>
             </a:extLst>
           </p:cNvSpPr>
@@ -4516,7 +4550,7 @@
             <a:spLocks noGrp="1" noChangeArrowheads="1"/>
             <a:extLst>
               <a:ext uri="smNativeData">
-                <pr:smNativeData xmlns:pr="smNativeData" xmlns="smNativeData" val="SMDATA_15_msZJaRMAAAAlAAAAZAAAAA0AAAAAkAAAAEgAAACQAAAASAAAAAAAAAAAAAAAAAAAAAEAAABQAAAAAAAAAAAA4D8AAAAAAADgPwAAAAAAAOA/AAAAAAAA4D8AAAAAAADgPwAAAAAAAOA/AAAAAAAA4D8AAAAAAADgPwAAAAAAAOA/AAAAAAAA4D8CAAAAjAAAAAAAAAAAAAAAu+DjDP///wgAAAAAAAAAAAAAAAAAAAAAAAAAAAAAAAAAAAAAZAAAAAEAAABAAAAAAAAAAAAAAAAAAAAAAAAAAAAAAAAAAAAAAAAAAAAAAAAAAAAAAAAAAAAAAAAAAAAAAAAAAAAAAAAAAAAAAAAAAAAAAAAAAAAAAAAAAAAAAAAAAAAAFAAAADwAAAAAAAAAAAAAAAAAAAkUAAAAAQAAABQAAAAUAAAAFAAAAAEAAAAAAAAAZAAAAGQAAAAAAAAAZAAAAGQAAAAVAAAAYAAAAAAAAAAAAAAADwAAACADAAAAAAAAAAAAAAEAAACgMgAAVgcAAKr4//8BAAAAf39/AAEAAABkAAAAAAAAABQAAABAHwAAAAAAACYAAAAAAAAAwOD//wAAAAAmAAAAZAAAABYAAABMAAAAAAAAAAAAAAAEAAAAAAAAAAEAAACAgIAKAAAAACgAAAAoAAAAZAAAAGQAAAAAAAAAzMzMAAAAAABQAAAAUAAAAGQAAABkAAAAAAAAABcAAAAUAAAAAAAAAAAAAAD/fwAA/38AAAAAAAAJAAAABAAAAAAAAAAeAAAAaAAAAAAAAAAAAAAAAAAAAAAAAAAAAAAAECcAABAnAAAAAAAAAAAAAAAAAAAAAAAAAAAAAAAAAAAAAAAAAAAAABQAAAAAAAAAwMD/AAAAAABkAAAAMgAAAAAAAABkAAAAAAAAAH9/fwAKAAAAIgAAABgAAAAAAAAAAAAAAAAAAAAAAAAAAAAAAAAAAAAkAAAAJAAAAAAAAAAHAAAAAAAAAAAAAAAAAAAAAAAAAAAAAAAAAAAAf39/ACUAAABYAAAAAAAAAAAAAAAAAAAAAAAAAAAAAAAAAAAAAAAAAAAAAAAAAAAAAAAAAAAAAAA/AAAAAAAAAKCGAQAAAAAAAAAAAAAAAAAMAAAAAQAAAAAAAAAAAAAAAAAAAB8AAABUAAAAAAAABQAAAAEAAAAAAAAAAAAAAAAAAAAAAAAAAAAAAAAAAAAAAAAAAAAAAAJ/f38AAAAAA8zMzADAwP8Af39/AAAAAAAAAAAAAAAAAAAAAAAAAAAAIQAAABgAAAAUAAAAwAMAANgJAABARwAAsCUAABAAAAAmAAAACAAAAAAAAAAAAAAA"/>
+                <pr:smNativeData xmlns:pr="smNativeData" xmlns="smNativeData" val="SMDATA_15_D/RJaRMAAAAlAAAAZAAAAA0AAAAAkAAAAEgAAACQAAAASAAAAAAAAAAAAAAAAAAAAAEAAABQAAAAAAAAAAAA4D8AAAAAAADgPwAAAAAAAOA/AAAAAAAA4D8AAAAAAADgPwAAAAAAAOA/AAAAAAAA4D8AAAAAAADgPwAAAAAAAOA/AAAAAAAA4D8CAAAAjAAAAAAAAAAAAAAAu+DjDP///wgAAAAAAAAAAAAAAAAAAAAAAAAAAAAAAAAAAAAAZAAAAAEAAABAAAAAAAAAAAAAAAAAAAAAAAAAAAAAAAAAAAAAAAAAAAAAAAAAAAAAAAAAAAAAAAAAAAAAAAAAAAAAAAAAAAAAAAAAAAAAAAAAAAAAAAAAAAAAAAAAAAAAFAAAADwAAAAAAAAAAAAAAAAAAAkUAAAAAQAAABQAAAAUAAAAFAAAAAEAAAAAAAAAZAAAAGQAAAAAAAAAZAAAAGQAAAAVAAAAYAAAAAAAAAAAAAAADwAAACADAAAAAAAAAAAAAAEAAACgMgAAVgcAAKr4//8BAAAAf39/AAEAAABkAAAAAAAAABQAAABAHwAAAAAAACYAAAAAAAAAwOD//wAAAAAmAAAAZAAAABYAAABMAAAAAAAAAAAAAAAEAAAAAAAAAAEAAACAgIAKAAAAACgAAAAoAAAAZAAAAGQAAAAAAAAAzMzMAAAAAABQAAAAUAAAAGQAAABkAAAAAAAAABcAAAAUAAAAAAAAAAAAAAD/fwAA/38AAAAAAAAJAAAABAAAAAAAAAAeAAAAaAAAAAAAAAAAAAAAAAAAAAAAAAAAAAAAECcAABAnAAAAAAAAAAAAAAAAAAAAAAAAAAAAAAAAAAAAAAAAAAAAABQAAAAAAAAAwMD/AAAAAABkAAAAMgAAAAAAAABkAAAAAAAAAH9/fwAKAAAAIgAAABgAAAAAAAAAAAAAAAAAAAAAAAAAAAAAAAAAAAAkAAAAJAAAAAAAAAAHAAAAAAAAAAAAAAAAAAAAAAAAAAAAAAAAAAAAf39/ACUAAABYAAAAAAAAAAAAAAAAAAAAAAAAAAAAAAAAAAAAAAAAAAAAAAAAAAAAAAAAAAAAAAA/AAAAAAAAAKCGAQAAAAAAAAAAAAAAAAAMAAAAAQAAAAAAAAAAAAAAAAAAAB8AAABUAAAAAAAABQAAAAEAAAAAAAAAAAAAAAAAAAAAAAAAAAAAAAAAAAAAAAAAAAAAAAJ/f38AAAAAA8zMzADAwP8Af39/AAAAAAAAAAAAAAAAAAAAAAAAAAAAIQAAABgAAAAUAAAAwAMAANgJAABARwAAsCUAABAAAAAmAAAACAAAAAAAAAAAAAAA"/>
               </a:ext>
             </a:extLst>
           </p:cNvSpPr>
@@ -4665,7 +4699,7 @@
             <a:spLocks noGrp="1" noChangeArrowheads="1"/>
             <a:extLst>
               <a:ext uri="smNativeData">
-                <pr:smNativeData xmlns:pr="smNativeData" xmlns="smNativeData" val="SMDATA_15_msZJaRMAAAAlAAAAZAAAAA0AAAAAkAAAAEgAAACQAAAASAAAAAAAAAABAAAAAAAAAAEAAABQAAAAAAAAAAAA4D8AAAAAAADgPwAAAAAAAOA/AAAAAAAA4D8AAAAAAADgPwAAAAAAAOA/AAAAAAAA4D8AAAAAAADgPwAAAAAAAOA/AAAAAAAA4D8CAAAAjAAAAAAAAAAAAAAAu+DjDP///wgAAAAAAAAAAAAAAAAAAAAAAAAAAAAAAAAAAAAAZAAAAAEAAABAAAAAAAAAAAAAAAAAAAAAAAAAAAAAAAAAAAAAAAAAAAAAAAAAAAAAAAAAAAAAAAAAAAAAAAAAAAAAAAAAAAAAAAAAAAAAAAAAAAAAAAAAAAAAAAAAAAAAFAAAADwAAAAAAAAAAAAAAAAAAAkUAAAAAQAAABQAAAAUAAAAFAAAAAEAAAAAAAAAZAAAAGQAAAAAAAAAZAAAAGQAAAAVAAAAYAAAAAAAAAAAAAAADwAAACADAAAAAAAAAAAAAAEAAACgMgAAVgcAAKr4//8BAAAAf39/AAEAAABkAAAAAAAAABQAAABAHwAAAAAAACYAAAAAAAAAwOD//wAAAAAmAAAAZAAAABYAAABMAAAAAAAAAAAAAAAEAAAAAAAAAAEAAACAgIAKAAAAACgAAAAoAAAAZAAAAGQAAAAAAAAAzMzMAAAAAABQAAAAUAAAAGQAAABkAAAAAAAAABcAAAAUAAAAAAAAAAAAAAD/fwAA/38AAAAAAAAJAAAABAAAAF8AYAAeAAAAaAAAAAAAAAAAAAAAAAAAAAAAAAAAAAAAECcAABAnAAAAAAAAAAAAAAAAAAAAAAAAAAAAAAAAAAAAAAAAAAAAABQAAAAAAAAAwMD/AAAAAABkAAAAMgAAAAAAAABkAAAAAAAAAH9/fwAKAAAAIgAAABgAAAAAAAAAAAAAAAAAAAAAAAAAAAAAAAAAAAAkAAAAJAAAAAAAAAAHAAAAAAAAAAAAAAAAAAAAAAAAAAAAAAAAAAAAf39/ACUAAABYAAAAAAAAAAAAAAAAAAAAAAAAAAAAAAAAAAAAAAAAAAAAAAAAAAAAAAAAAAAAAAA/AAAAAAAAAKCGAQAAAAAAAAAAAAAAAAAMAAAAAQAAAAAAAAAAAAAAAAAAAB8AAABUAAAAAAAABQAAAAEAAAAAAAAAAAAAAAAAAAAAAAAAAAAAAAAAAAAAAAAAAAAAAAJ/f38AAAAAA8zMzADAwP8Af39/AAAAAAAAAAAAAAAAAAAAAAAAAAAAIQAAABgAAAAUAAAAwAMAALABAABARwAAuAgAABAAAAAmAAAACAAAAAAAAAAAAAAA"/>
+                <pr:smNativeData xmlns:pr="smNativeData" xmlns="smNativeData" val="SMDATA_15_D/RJaRMAAAAlAAAAZAAAAA0AAAAAkAAAAEgAAACQAAAASAAAAAAAAAABAAAAAAAAAAEAAABQAAAAAAAAAAAA4D8AAAAAAADgPwAAAAAAAOA/AAAAAAAA4D8AAAAAAADgPwAAAAAAAOA/AAAAAAAA4D8AAAAAAADgPwAAAAAAAOA/AAAAAAAA4D8CAAAAjAAAAAAAAAAAAAAAu+DjDP///wgAAAAAAAAAAAAAAAAAAAAAAAAAAAAAAAAAAAAAZAAAAAEAAABAAAAAAAAAAAAAAAAAAAAAAAAAAAAAAAAAAAAAAAAAAAAAAAAAAAAAAAAAAAAAAAAAAAAAAAAAAAAAAAAAAAAAAAAAAAAAAAAAAAAAAAAAAAAAAAAAAAAAFAAAADwAAAAAAAAAAAAAAAAAAAkUAAAAAQAAABQAAAAUAAAAFAAAAAEAAAAAAAAAZAAAAGQAAAAAAAAAZAAAAGQAAAAVAAAAYAAAAAAAAAAAAAAADwAAACADAAAAAAAAAAAAAAEAAACgMgAAVgcAAKr4//8BAAAAf39/AAEAAABkAAAAAAAAABQAAABAHwAAAAAAACYAAAAAAAAAwOD//wAAAAAmAAAAZAAAABYAAABMAAAAAAAAAAAAAAAEAAAAAAAAAAEAAACAgIAKAAAAACgAAAAoAAAAZAAAAGQAAAAAAAAAzMzMAAAAAABQAAAAUAAAAGQAAABkAAAAAAAAABcAAAAUAAAAAAAAAAAAAAD/fwAA/38AAAAAAAAJAAAABAAAAF8AYAAeAAAAaAAAAAAAAAAAAAAAAAAAAAAAAAAAAAAAECcAABAnAAAAAAAAAAAAAAAAAAAAAAAAAAAAAAAAAAAAAAAAAAAAABQAAAAAAAAAwMD/AAAAAABkAAAAMgAAAAAAAABkAAAAAAAAAH9/fwAKAAAAIgAAABgAAAAAAAAAAAAAAAAAAAAAAAAAAAAAAAAAAAAkAAAAJAAAAAAAAAAHAAAAAAAAAAAAAAAAAAAAAAAAAAAAAAAAAAAAf39/ACUAAABYAAAAAAAAAAAAAAAAAAAAAAAAAAAAAAAAAAAAAAAAAAAAAAAAAAAAAAAAAAAAAAA/AAAAAAAAAKCGAQAAAAAAAAAAAAAAAAAMAAAAAQAAAAAAAAAAAAAAAAAAAB8AAABUAAAAAAAABQAAAAEAAAAAAAAAAAAAAAAAAAAAAAAAAAAAAAAAAAAAAAAAAAAAAAJ/f38AAAAAA8zMzADAwP8Af39/AAAAAAAAAAAAAAAAAAAAAAAAAAAAIQAAABgAAAAUAAAAwAMAALABAABARwAAuAgAABAAAAAmAAAACAAAAAAAAAAAAAAA"/>
               </a:ext>
             </a:extLst>
           </p:cNvSpPr>
@@ -4692,7 +4726,7 @@
             <a:spLocks noGrp="1" noChangeArrowheads="1"/>
             <a:extLst>
               <a:ext uri="smNativeData">
-                <pr:smNativeData xmlns:pr="smNativeData" xmlns="smNativeData" val="SMDATA_15_msZJaRMAAAAlAAAAZAAAAA0AAAAAkAAAAEgAAACQAAAASAAAAAAAAAAAAAAAAAAAAAEAAABQAAAAAAAAAAAA4D8AAAAAAADgPwAAAAAAAOA/AAAAAAAA4D8AAAAAAADgPwAAAAAAAOA/AAAAAAAA4D8AAAAAAADgPwAAAAAAAOA/AAAAAAAA4D8CAAAAjAAAAAAAAAAAAAAAu+DjDP///wgAAAAAAAAAAAAAAAAAAAAAAAAAAAAAAAAAAAAAZAAAAAEAAABAAAAAAAAAAAAAAAAAAAAAAAAAAAAAAAAAAAAAAAAAAAAAAAAAAAAAAAAAAAAAAAAAAAAAAAAAAAAAAAAAAAAAAAAAAAAAAAAAAAAAAAAAAAAAAAAAAAAAFAAAADwAAAAAAAAAAAAAAAAAAAkUAAAAAQAAABQAAAAUAAAAFAAAAAEAAAAAAAAAZAAAAGQAAAAAAAAAZAAAAGQAAAAVAAAAYAAAAAAAAAAAAAAADwAAACADAAAAAAAAAAAAAAEAAACgMgAAVgcAAKr4//8BAAAAf39/AAEAAABkAAAAAAAAABQAAABAHwAAAAAAACYAAAAAAAAAwOD//wAAAAAmAAAAZAAAABYAAABMAAAAAAAAAAAAAAAEAAAAAAAAAAEAAACAgIAKAAAAACgAAAAoAAAAZAAAAGQAAAAAAAAAzMzMAAAAAABQAAAAUAAAAGQAAABkAAAAAAAAABcAAAAUAAAAAAAAAAAAAAD/fwAA/38AAAAAAAAJAAAABAAAAPz///8eAAAAaAAAAAAAAAAAAAAAAAAAAAAAAAAAAAAAECcAABAnAAAAAAAAAAAAAAAAAAAAAAAAAAAAAAAAAAAAAAAAAAAAABQAAAAAAAAAwMD/AAAAAABkAAAAMgAAAAAAAABkAAAAAAAAAH9/fwAKAAAAIgAAABgAAAAAAAAAAAAAAAAAAAAAAAAAAAAAAAAAAAAkAAAAJAAAAAAAAAAHAAAAAAAAAAAAAAAAAAAAAAAAAAAAAAAAAAAAf39/ACUAAABYAAAAAAAAAAAAAAAAAAAAAAAAAAAAAAAAAAAAAAAAAAAAAAAAAAAAAAAAAAAAAAA/AAAAAAAAAKCGAQAAAAAAAAAAAAAAAAAMAAAAAQAAAAAAAAAAAAAAAAAAAB8AAABUAAAAAAAABQAAAAEAAAAAAAAAAAAAAAAAAAAAAAAAAAAAAAAAAAAAAAAAAAAAAAJ/f38AAAAAA8zMzADAwP8Af39/AAAAAAAAAAAAAAAAAAAAAAAAAAAAIQAAABgAAAAUAAAAwAMAANgJAABARwAAsCUAABAAAAAmAAAACAAAAAAAAAAAAAAA"/>
+                <pr:smNativeData xmlns:pr="smNativeData" xmlns="smNativeData" val="SMDATA_15_D/RJaRMAAAAlAAAAZAAAAA0AAAAAkAAAAEgAAACQAAAASAAAAAAAAAAAAAAAAAAAAAEAAABQAAAAAAAAAAAA4D8AAAAAAADgPwAAAAAAAOA/AAAAAAAA4D8AAAAAAADgPwAAAAAAAOA/AAAAAAAA4D8AAAAAAADgPwAAAAAAAOA/AAAAAAAA4D8CAAAAjAAAAAAAAAAAAAAAu+DjDP///wgAAAAAAAAAAAAAAAAAAAAAAAAAAAAAAAAAAAAAZAAAAAEAAABAAAAAAAAAAAAAAAAAAAAAAAAAAAAAAAAAAAAAAAAAAAAAAAAAAAAAAAAAAAAAAAAAAAAAAAAAAAAAAAAAAAAAAAAAAAAAAAAAAAAAAAAAAAAAAAAAAAAAFAAAADwAAAAAAAAAAAAAAAAAAAkUAAAAAQAAABQAAAAUAAAAFAAAAAEAAAAAAAAAZAAAAGQAAAAAAAAAZAAAAGQAAAAVAAAAYAAAAAAAAAAAAAAADwAAACADAAAAAAAAAAAAAAEAAACgMgAAVgcAAKr4//8BAAAAf39/AAEAAABkAAAAAAAAABQAAABAHwAAAAAAACYAAAAAAAAAwOD//wAAAAAmAAAAZAAAABYAAABMAAAAAAAAAAAAAAAEAAAAAAAAAAEAAACAgIAKAAAAACgAAAAoAAAAZAAAAGQAAAAAAAAAzMzMAAAAAABQAAAAUAAAAGQAAABkAAAAAAAAABcAAAAUAAAAAAAAAAAAAAD/fwAA/38AAAAAAAAJAAAABAAAAPz///8eAAAAaAAAAAAAAAAAAAAAAAAAAAAAAAAAAAAAECcAABAnAAAAAAAAAAAAAAAAAAAAAAAAAAAAAAAAAAAAAAAAAAAAABQAAAAAAAAAwMD/AAAAAABkAAAAMgAAAAAAAABkAAAAAAAAAH9/fwAKAAAAIgAAABgAAAAAAAAAAAAAAAAAAAAAAAAAAAAAAAAAAAAkAAAAJAAAAAAAAAAHAAAAAAAAAAAAAAAAAAAAAAAAAAAAAAAAAAAAf39/ACUAAABYAAAAAAAAAAAAAAAAAAAAAAAAAAAAAAAAAAAAAAAAAAAAAAAAAAAAAAAAAAAAAAA/AAAAAAAAAKCGAQAAAAAAAAAAAAAAAAAMAAAAAQAAAAAAAAAAAAAAAAAAAB8AAABUAAAAAAAABQAAAAEAAAAAAAAAAAAAAAAAAAAAAAAAAAAAAAAAAAAAAAAAAAAAAAJ/f38AAAAAA8zMzADAwP8Af39/AAAAAAAAAAAAAAAAAAAAAAAAAAAAIQAAABgAAAAUAAAAwAMAANgJAABARwAAsCUAABAAAAAmAAAACAAAAAAAAAAAAAAA"/>
               </a:ext>
             </a:extLst>
           </p:cNvSpPr>
@@ -4799,7 +4833,7 @@
             <a:spLocks noGrp="1" noChangeArrowheads="1"/>
             <a:extLst>
               <a:ext uri="smNativeData">
-                <pr:smNativeData xmlns:pr="smNativeData" xmlns="smNativeData" val="SMDATA_15_msZJaRMAAAAlAAAAZAAAAA0AAAAAkAAAAEgAAACQAAAASAAAAAAAAAABAAAAAAAAAAEAAABQAAAAAAAAAAAA4D8AAAAAAADgPwAAAAAAAOA/AAAAAAAA4D8AAAAAAADgPwAAAAAAAOA/AAAAAAAA4D8AAAAAAADgPwAAAAAAAOA/AAAAAAAA4D8CAAAAjAAAAAAAAAAAAAAAu+DjDP///wgAAAAAAAAAAAAAAAAAAAAAAAAAAAAAAAAAAAAAZAAAAAEAAABAAAAAAAAAAAAAAAAAAAAAAAAAAAAAAAAAAAAAAAAAAAAAAAAAAAAAAAAAAAAAAAAAAAAAAAAAAAAAAAAAAAAAAAAAAAAAAAAAAAAAAAAAAAAAAAAAAAAAFAAAADwAAAAAAAAAAAAAAAAAAAkUAAAAAQAAABQAAAAUAAAAFAAAAAEAAAAAAAAAZAAAAGQAAAAAAAAAZAAAAGQAAAAVAAAAYAAAAAAAAAAAAAAADwAAACADAAAAAAAAAAAAAAEAAACgMgAAVgcAAKr4//8BAAAAf39/AAEAAABkAAAAAAAAABQAAABAHwAAAAAAACYAAAAAAAAAwOD//wAAAAAmAAAAZAAAABYAAABMAAAAAAAAAAAAAAAEAAAAAAAAAAEAAACAgIAKAAAAACgAAAAoAAAAZAAAAGQAAAAAAAAAzMzMAAAAAABQAAAAUAAAAGQAAABkAAAAAAAAABcAAAAUAAAAAAAAAAAAAAD/fwAA/38AAAAAAAAJAAAABAAAAF8AYAAeAAAAaAAAAAAAAAAAAAAAAAAAAAAAAAAAAAAAECcAABAnAAAAAAAAAAAAAAAAAAAAAAAAAAAAAAAAAAAAAAAAAAAAABQAAAAAAAAAwMD/AAAAAABkAAAAMgAAAAAAAABkAAAAAAAAAH9/fwAKAAAAIgAAABgAAAAAAAAAAAAAAAAAAAAAAAAAAAAAAAAAAAAkAAAAJAAAAAAAAAAHAAAAAAAAAAAAAAAAAAAAAAAAAAAAAAAAAAAAf39/ACUAAABYAAAAAAAAAAAAAAAAAAAAAAAAAAAAAAAAAAAAAAAAAAAAAAAAAAAAAAAAAAAAAAA/AAAAAAAAAKCGAQAAAAAAAAAAAAAAAAAMAAAAAQAAAAAAAAAAAAAAAAAAAB8AAABUAAAAAAAABQAAAAEAAAAAAAAAAAAAAAAAAAAAAAAAAAAAAAAAAAAAAAAAAAAAAAJ/f38AAAAAA8zMzADAwP8Af39/AAAAAAAAAAAAAAAAAAAAAAAAAAAAIQAAABgAAAAUAAAAwAMAALABAABARwAAuAgAABAAAAAmAAAACAAAAAAAAAAAAAAA"/>
+                <pr:smNativeData xmlns:pr="smNativeData" xmlns="smNativeData" val="SMDATA_15_D/RJaRMAAAAlAAAAZAAAAA0AAAAAkAAAAEgAAACQAAAASAAAAAAAAAABAAAAAAAAAAEAAABQAAAAAAAAAAAA4D8AAAAAAADgPwAAAAAAAOA/AAAAAAAA4D8AAAAAAADgPwAAAAAAAOA/AAAAAAAA4D8AAAAAAADgPwAAAAAAAOA/AAAAAAAA4D8CAAAAjAAAAAAAAAAAAAAAu+DjDP///wgAAAAAAAAAAAAAAAAAAAAAAAAAAAAAAAAAAAAAZAAAAAEAAABAAAAAAAAAAAAAAAAAAAAAAAAAAAAAAAAAAAAAAAAAAAAAAAAAAAAAAAAAAAAAAAAAAAAAAAAAAAAAAAAAAAAAAAAAAAAAAAAAAAAAAAAAAAAAAAAAAAAAFAAAADwAAAAAAAAAAAAAAAAAAAkUAAAAAQAAABQAAAAUAAAAFAAAAAEAAAAAAAAAZAAAAGQAAAAAAAAAZAAAAGQAAAAVAAAAYAAAAAAAAAAAAAAADwAAACADAAAAAAAAAAAAAAEAAACgMgAAVgcAAKr4//8BAAAAf39/AAEAAABkAAAAAAAAABQAAABAHwAAAAAAACYAAAAAAAAAwOD//wAAAAAmAAAAZAAAABYAAABMAAAAAAAAAAAAAAAEAAAAAAAAAAEAAACAgIAKAAAAACgAAAAoAAAAZAAAAGQAAAAAAAAAzMzMAAAAAABQAAAAUAAAAGQAAABkAAAAAAAAABcAAAAUAAAAAAAAAAAAAAD/fwAA/38AAAAAAAAJAAAABAAAAF8AYAAeAAAAaAAAAAAAAAAAAAAAAAAAAAAAAAAAAAAAECcAABAnAAAAAAAAAAAAAAAAAAAAAAAAAAAAAAAAAAAAAAAAAAAAABQAAAAAAAAAwMD/AAAAAABkAAAAMgAAAAAAAABkAAAAAAAAAH9/fwAKAAAAIgAAABgAAAAAAAAAAAAAAAAAAAAAAAAAAAAAAAAAAAAkAAAAJAAAAAAAAAAHAAAAAAAAAAAAAAAAAAAAAAAAAAAAAAAAAAAAf39/ACUAAABYAAAAAAAAAAAAAAAAAAAAAAAAAAAAAAAAAAAAAAAAAAAAAAAAAAAAAAAAAAAAAAA/AAAAAAAAAKCGAQAAAAAAAAAAAAAAAAAMAAAAAQAAAAAAAAAAAAAAAAAAAB8AAABUAAAAAAAABQAAAAEAAAAAAAAAAAAAAAAAAAAAAAAAAAAAAAAAAAAAAAAAAAAAAAJ/f38AAAAAA8zMzADAwP8Af39/AAAAAAAAAAAAAAAAAAAAAAAAAAAAIQAAABgAAAAUAAAAwAMAALABAABARwAAuAgAABAAAAAmAAAACAAAAAAAAAAAAAAA"/>
               </a:ext>
             </a:extLst>
           </p:cNvSpPr>
@@ -4826,7 +4860,7 @@
             <a:spLocks noGrp="1" noChangeArrowheads="1"/>
             <a:extLst>
               <a:ext uri="smNativeData">
-                <pr:smNativeData xmlns:pr="smNativeData" xmlns="smNativeData" val="SMDATA_15_msZJaRMAAAAlAAAAZAAAAA0AAAAAkAAAAEgAAACQAAAASAAAAAAAAAAAAAAAAAAAAAEAAABQAAAAAAAAAAAA4D8AAAAAAADgPwAAAAAAAOA/AAAAAAAA4D8AAAAAAADgPwAAAAAAAOA/AAAAAAAA4D8AAAAAAADgPwAAAAAAAOA/AAAAAAAA4D8CAAAAjAAAAAAAAAAAAAAAu+DjDP///wgAAAAAAAAAAAAAAAAAAAAAAAAAAAAAAAAAAAAAZAAAAAEAAABAAAAAAAAAAAAAAAAAAAAAAAAAAAAAAAAAAAAAAAAAAAAAAAAAAAAAAAAAAAAAAAAAAAAAAAAAAAAAAAAAAAAAAAAAAAAAAAAAAAAAAAAAAAAAAAAAAAAAFAAAADwAAAAAAAAAAAAAAAAAAAkUAAAAAQAAABQAAAAUAAAAFAAAAAEAAAAAAAAAZAAAAGQAAAAAAAAAZAAAAGQAAAAVAAAAYAAAAAAAAAAAAAAADwAAACADAAAAAAAAAAAAAAEAAACgMgAAVgcAAKr4//8BAAAAf39/AAEAAABkAAAAAAAAABQAAABAHwAAAAAAACYAAAAAAAAAwOD//wAAAAAmAAAAZAAAABYAAABMAAAAAAAAAAAAAAAEAAAAAAAAAAEAAACAgIAKAAAAACgAAAAoAAAAZAAAAGQAAAAAAAAAzMzMAAAAAABQAAAAUAAAAGQAAABkAAAAAAAAABcAAAAUAAAAAAAAAAAAAAD/fwAA/38AAAAAAAAJAAAABAAAAF8AYAAeAAAAaAAAAAAAAAAAAAAAAAAAAAAAAAAAAAAAECcAABAnAAAAAAAAAAAAAAAAAAAAAAAAAAAAAAAAAAAAAAAAAAAAABQAAAAAAAAAwMD/AAAAAABkAAAAMgAAAAAAAABkAAAAAAAAAH9/fwAKAAAAIgAAABgAAAAAAAAAAAAAAAAAAAAAAAAAAAAAAAAAAAAkAAAAJAAAAAAAAAAHAAAAAAAAAAAAAAAAAAAAAAAAAAAAAAAAAAAAf39/ACUAAABYAAAAAAAAAAAAAAAAAAAAAAAAAAAAAAAAAAAAAAAAAAAAAAAAAAAAAAAAAAAAAAA/AAAAAAAAAKCGAQAAAAAAAAAAAAAAAAAMAAAAAQAAAAAAAAAAAAAAAAAAAB8AAABUAAAAAAAABQAAAAEAAAAAAAAAAAAAAAAAAAAAAAAAAAAAAAAAAAAAAAAAAAAAAAJ/f38AAAAAA8zMzADAwP8Af39/AAAAAAAAAAAAAAAAAAAAAAAAAAAAIQAAABgAAAAUAAAAwAMAANgJAABARwAAsCUAABAAAAAmAAAACAAAAAAAAAAAAAAA"/>
+                <pr:smNativeData xmlns:pr="smNativeData" xmlns="smNativeData" val="SMDATA_15_D/RJaRMAAAAlAAAAZAAAAA0AAAAAkAAAAEgAAACQAAAASAAAAAAAAAAAAAAAAAAAAAEAAABQAAAAAAAAAAAA4D8AAAAAAADgPwAAAAAAAOA/AAAAAAAA4D8AAAAAAADgPwAAAAAAAOA/AAAAAAAA4D8AAAAAAADgPwAAAAAAAOA/AAAAAAAA4D8CAAAAjAAAAAAAAAAAAAAAu+DjDP///wgAAAAAAAAAAAAAAAAAAAAAAAAAAAAAAAAAAAAAZAAAAAEAAABAAAAAAAAAAAAAAAAAAAAAAAAAAAAAAAAAAAAAAAAAAAAAAAAAAAAAAAAAAAAAAAAAAAAAAAAAAAAAAAAAAAAAAAAAAAAAAAAAAAAAAAAAAAAAAAAAAAAAFAAAADwAAAAAAAAAAAAAAAAAAAkUAAAAAQAAABQAAAAUAAAAFAAAAAEAAAAAAAAAZAAAAGQAAAAAAAAAZAAAAGQAAAAVAAAAYAAAAAAAAAAAAAAADwAAACADAAAAAAAAAAAAAAEAAACgMgAAVgcAAKr4//8BAAAAf39/AAEAAABkAAAAAAAAABQAAABAHwAAAAAAACYAAAAAAAAAwOD//wAAAAAmAAAAZAAAABYAAABMAAAAAAAAAAAAAAAEAAAAAAAAAAEAAACAgIAKAAAAACgAAAAoAAAAZAAAAGQAAAAAAAAAzMzMAAAAAABQAAAAUAAAAGQAAABkAAAAAAAAABcAAAAUAAAAAAAAAAAAAAD/fwAA/38AAAAAAAAJAAAABAAAAF8AYAAeAAAAaAAAAAAAAAAAAAAAAAAAAAAAAAAAAAAAECcAABAnAAAAAAAAAAAAAAAAAAAAAAAAAAAAAAAAAAAAAAAAAAAAABQAAAAAAAAAwMD/AAAAAABkAAAAMgAAAAAAAABkAAAAAAAAAH9/fwAKAAAAIgAAABgAAAAAAAAAAAAAAAAAAAAAAAAAAAAAAAAAAAAkAAAAJAAAAAAAAAAHAAAAAAAAAAAAAAAAAAAAAAAAAAAAAAAAAAAAf39/ACUAAABYAAAAAAAAAAAAAAAAAAAAAAAAAAAAAAAAAAAAAAAAAAAAAAAAAAAAAAAAAAAAAAA/AAAAAAAAAKCGAQAAAAAAAAAAAAAAAAAMAAAAAQAAAAAAAAAAAAAAAAAAAB8AAABUAAAAAAAABQAAAAEAAAAAAAAAAAAAAAAAAAAAAAAAAAAAAAAAAAAAAAAAAAAAAAJ/f38AAAAAA8zMzADAwP8Af39/AAAAAAAAAAAAAAAAAAAAAAAAAAAAIQAAABgAAAAUAAAAwAMAANgJAABARwAAsCUAABAAAAAmAAAACAAAAAAAAAAAAAAA"/>
               </a:ext>
             </a:extLst>
           </p:cNvSpPr>
@@ -4978,7 +5012,7 @@
             <a:spLocks noGrp="1" noChangeArrowheads="1"/>
             <a:extLst>
               <a:ext uri="smNativeData">
-                <pr:smNativeData xmlns:pr="smNativeData" xmlns="smNativeData" val="SMDATA_15_msZJaRMAAAAlAAAAZAAAAA0AAAAAkAAAAEgAAACQAAAASAAAAAAAAAABAAAAAAAAAAEAAABQAAAAAAAAAAAA4D8AAAAAAADgPwAAAAAAAOA/AAAAAAAA4D8AAAAAAADgPwAAAAAAAOA/AAAAAAAA4D8AAAAAAADgPwAAAAAAAOA/AAAAAAAA4D8CAAAAjAAAAAAAAAAAAAAAu+DjDP///wgAAAAAAAAAAAAAAAAAAAAAAAAAAAAAAAAAAAAAZAAAAAEAAABAAAAAAAAAAAAAAAAAAAAAAAAAAAAAAAAAAAAAAAAAAAAAAAAAAAAAAAAAAAAAAAAAAAAAAAAAAAAAAAAAAAAAAAAAAAAAAAAAAAAAAAAAAAAAAAAAAAAAFAAAADwAAAAAAAAAAAAAAAAAAAkUAAAAAQAAABQAAAAUAAAAFAAAAAEAAAAAAAAAZAAAAGQAAAAAAAAAZAAAAGQAAAAVAAAAYAAAAAAAAAAAAAAADwAAACADAAAAAAAAAAAAAAEAAACgMgAAVgcAAKr4//8BAAAAf39/AAEAAABkAAAAAAAAABQAAABAHwAAAAAAACYAAAAAAAAAwOD//wAAAAAmAAAAZAAAABYAAABMAAAAAAAAAAAAAAAEAAAAAAAAAAEAAACAgIAKAAAAACgAAAAoAAAAZAAAAGQAAAAAAAAAzMzMAAAAAABQAAAAUAAAAGQAAABkAAAAAAAAABcAAAAUAAAAAAAAAAAAAAD/fwAA/38AAAAAAAAJAAAABAAAAAAAAAAeAAAAaAAAAAAAAAAAAAAAAAAAAAAAAAAAAAAAECcAABAnAAAAAAAAAAAAAAAAAAAAAAAAAAAAAAAAAAAAAAAAAAAAABQAAAAAAAAAwMD/AAAAAABkAAAAMgAAAAAAAABkAAAAAAAAAH9/fwAKAAAAIgAAABgAAAAAAAAAAAAAAAAAAAAAAAAAAAAAAAAAAAAkAAAAJAAAAAAAAAAHAAAAAAAAAAAAAAAAAAAAAAAAAAAAAAAAAAAAf39/ACUAAABYAAAAAAAAAAAAAAAAAAAAAAAAAAAAAAAAAAAAAAAAAAAAAAAAAAAAAAAAAAAAAAA/AAAAAAAAAKCGAQAAAAAAAAAAAAAAAAAMAAAAAQAAAAAAAAAAAAAAAAAAAB8AAABUAAAAAAAABQAAAAEAAAAAAAAAAAAAAAAAAAAAAAAAAAAAAAAAAAAAAAAAAAAAAAJ/f38AAAAAA8zMzADAwP8Af39/AAAAAAAAAAAAAAAAAAAAAAAAAAAAIQAAABgAAAAUAAAAwAMAALABAABARwAAuAgAABAAAAAmAAAACAAAAAAAAAAAAAAA"/>
+                <pr:smNativeData xmlns:pr="smNativeData" xmlns="smNativeData" val="SMDATA_15_D/RJaRMAAAAlAAAAZAAAAA0AAAAAkAAAAEgAAACQAAAASAAAAAAAAAABAAAAAAAAAAEAAABQAAAAAAAAAAAA4D8AAAAAAADgPwAAAAAAAOA/AAAAAAAA4D8AAAAAAADgPwAAAAAAAOA/AAAAAAAA4D8AAAAAAADgPwAAAAAAAOA/AAAAAAAA4D8CAAAAjAAAAAAAAAAAAAAAu+DjDP///wgAAAAAAAAAAAAAAAAAAAAAAAAAAAAAAAAAAAAAZAAAAAEAAABAAAAAAAAAAAAAAAAAAAAAAAAAAAAAAAAAAAAAAAAAAAAAAAAAAAAAAAAAAAAAAAAAAAAAAAAAAAAAAAAAAAAAAAAAAAAAAAAAAAAAAAAAAAAAAAAAAAAAFAAAADwAAAAAAAAAAAAAAAAAAAkUAAAAAQAAABQAAAAUAAAAFAAAAAEAAAAAAAAAZAAAAGQAAAAAAAAAZAAAAGQAAAAVAAAAYAAAAAAAAAAAAAAADwAAACADAAAAAAAAAAAAAAEAAACgMgAAVgcAAKr4//8BAAAAf39/AAEAAABkAAAAAAAAABQAAABAHwAAAAAAACYAAAAAAAAAwOD//wAAAAAmAAAAZAAAABYAAABMAAAAAAAAAAAAAAAEAAAAAAAAAAEAAACAgIAKAAAAACgAAAAoAAAAZAAAAGQAAAAAAAAAzMzMAAAAAABQAAAAUAAAAGQAAABkAAAAAAAAABcAAAAUAAAAAAAAAAAAAAD/fwAA/38AAAAAAAAJAAAABAAAAAAAAAAeAAAAaAAAAAAAAAAAAAAAAAAAAAAAAAAAAAAAECcAABAnAAAAAAAAAAAAAAAAAAAAAAAAAAAAAAAAAAAAAAAAAAAAABQAAAAAAAAAwMD/AAAAAABkAAAAMgAAAAAAAABkAAAAAAAAAH9/fwAKAAAAIgAAABgAAAAAAAAAAAAAAAAAAAAAAAAAAAAAAAAAAAAkAAAAJAAAAAAAAAAHAAAAAAAAAAAAAAAAAAAAAAAAAAAAAAAAAAAAf39/ACUAAABYAAAAAAAAAAAAAAAAAAAAAAAAAAAAAAAAAAAAAAAAAAAAAAAAAAAAAAAAAAAAAAA/AAAAAAAAAKCGAQAAAAAAAAAAAAAAAAAMAAAAAQAAAAAAAAAAAAAAAAAAAB8AAABUAAAAAAAABQAAAAEAAAAAAAAAAAAAAAAAAAAAAAAAAAAAAAAAAAAAAAAAAAAAAAJ/f38AAAAAA8zMzADAwP8Af39/AAAAAAAAAAAAAAAAAAAAAAAAAAAAIQAAABgAAAAUAAAAwAMAALABAABARwAAuAgAABAAAAAmAAAACAAAAAAAAAAAAAAA"/>
               </a:ext>
             </a:extLst>
           </p:cNvSpPr>
@@ -5005,7 +5039,7 @@
             <a:spLocks noGrp="1" noChangeArrowheads="1"/>
             <a:extLst>
               <a:ext uri="smNativeData">
-                <pr:smNativeData xmlns:pr="smNativeData" xmlns="smNativeData" val="SMDATA_15_msZJaRMAAAAlAAAAZAAAAA0AAAAAkAAAAEgAAACQAAAASAAAAAAAAAAAAAAAAAAAAAEAAABQAAAAAAAAAAAA4D8AAAAAAADgPwAAAAAAAOA/AAAAAAAA4D8AAAAAAADgPwAAAAAAAOA/AAAAAAAA4D8AAAAAAADgPwAAAAAAAOA/AAAAAAAA4D8CAAAAjAAAAAAAAAAAAAAAu+DjDP///wgAAAAAAAAAAAAAAAAAAAAAAAAAAAAAAAAAAAAAZAAAAAEAAABAAAAAAAAAAAAAAAAAAAAAAAAAAAAAAAAAAAAAAAAAAAAAAAAAAAAAAAAAAAAAAAAAAAAAAAAAAAAAAAAAAAAAAAAAAAAAAAAAAAAAAAAAAAAAAAAAAAAAFAAAADwAAAAAAAAAAAAAAAAAAAkUAAAAAQAAABQAAAAUAAAAFAAAAAEAAAAAAAAAZAAAAGQAAAAAAAAAZAAAAGQAAAAVAAAAYAAAAAAAAAAAAAAADwAAACADAAAAAAAAAAAAAAEAAACgMgAAVgcAAKr4//8BAAAAf39/AAEAAABkAAAAAAAAABQAAABAHwAAAAAAACYAAAAAAAAAwOD//wAAAAAmAAAAZAAAABYAAABMAAAAAAAAAAAAAAAEAAAAAAAAAAEAAACAgIAKAAAAACgAAAAoAAAAZAAAAGQAAAAAAAAAzMzMAAAAAABQAAAAUAAAAGQAAABkAAAAAAAAABcAAAAUAAAAAAAAAAAAAAD/fwAA/38AAAAAAAAJAAAABAAAABIAAAAeAAAAaAAAAAAAAAAAAAAAAAAAAAAAAAAAAAAAECcAABAnAAAAAAAAAAAAAAAAAAAAAAAAAAAAAAAAAAAAAAAAAAAAABQAAAAAAAAAwMD/AAAAAABkAAAAMgAAAAAAAABkAAAAAAAAAH9/fwAKAAAAIgAAABgAAAAAAAAAAAAAAAAAAAAAAAAAAAAAAAAAAAAkAAAAJAAAAAAAAAAHAAAAAAAAAAAAAAAAAAAAAAAAAAAAAAAAAAAAf39/ACUAAABYAAAAAAAAAAAAAAAAAAAAAAAAAAAAAAAAAAAAAAAAAAAAAAAAAAAAAAAAAAAAAAA/AAAAAAAAAKCGAQAAAAAAAAAAAAAAAAAMAAAAAQAAAAAAAAAAAAAAAAAAAB8AAABUAAAAAAAABQAAAAEAAAAAAAAAAAAAAAAAAAAAAAAAAAAAAAAAAAAAAAAAAAAAAAJ/f38AAAAAA8zMzADAwP8Af39/AAAAAAAAAAAAAAAAAAAAAAAAAAAAIQAAABgAAAAUAAAAwAMAANgJAABARwAAsCUAABAAAAAmAAAACAAAAAAAAAAAAAAA"/>
+                <pr:smNativeData xmlns:pr="smNativeData" xmlns="smNativeData" val="SMDATA_15_D/RJaRMAAAAlAAAAZAAAAA0AAAAAkAAAAEgAAACQAAAASAAAAAAAAAAAAAAAAAAAAAEAAABQAAAAAAAAAAAA4D8AAAAAAADgPwAAAAAAAOA/AAAAAAAA4D8AAAAAAADgPwAAAAAAAOA/AAAAAAAA4D8AAAAAAADgPwAAAAAAAOA/AAAAAAAA4D8CAAAAjAAAAAAAAAAAAAAAu+DjDP///wgAAAAAAAAAAAAAAAAAAAAAAAAAAAAAAAAAAAAAZAAAAAEAAABAAAAAAAAAAAAAAAAAAAAAAAAAAAAAAAAAAAAAAAAAAAAAAAAAAAAAAAAAAAAAAAAAAAAAAAAAAAAAAAAAAAAAAAAAAAAAAAAAAAAAAAAAAAAAAAAAAAAAFAAAADwAAAAAAAAAAAAAAAAAAAkUAAAAAQAAABQAAAAUAAAAFAAAAAEAAAAAAAAAZAAAAGQAAAAAAAAAZAAAAGQAAAAVAAAAYAAAAAAAAAAAAAAADwAAACADAAAAAAAAAAAAAAEAAACgMgAAVgcAAKr4//8BAAAAf39/AAEAAABkAAAAAAAAABQAAABAHwAAAAAAACYAAAAAAAAAwOD//wAAAAAmAAAAZAAAABYAAABMAAAAAAAAAAAAAAAEAAAAAAAAAAEAAACAgIAKAAAAACgAAAAoAAAAZAAAAGQAAAAAAAAAzMzMAAAAAABQAAAAUAAAAGQAAABkAAAAAAAAABcAAAAUAAAAAAAAAAAAAAD/fwAA/38AAAAAAAAJAAAABAAAABIAAAAeAAAAaAAAAAAAAAAAAAAAAAAAAAAAAAAAAAAAECcAABAnAAAAAAAAAAAAAAAAAAAAAAAAAAAAAAAAAAAAAAAAAAAAABQAAAAAAAAAwMD/AAAAAABkAAAAMgAAAAAAAABkAAAAAAAAAH9/fwAKAAAAIgAAABgAAAAAAAAAAAAAAAAAAAAAAAAAAAAAAAAAAAAkAAAAJAAAAAAAAAAHAAAAAAAAAAAAAAAAAAAAAAAAAAAAAAAAAAAAf39/ACUAAABYAAAAAAAAAAAAAAAAAAAAAAAAAAAAAAAAAAAAAAAAAAAAAAAAAAAAAAAAAAAAAAA/AAAAAAAAAKCGAQAAAAAAAAAAAAAAAAAMAAAAAQAAAAAAAAAAAAAAAAAAAB8AAABUAAAAAAAABQAAAAEAAAAAAAAAAAAAAAAAAAAAAAAAAAAAAAAAAAAAAAAAAAAAAAJ/f38AAAAAA8zMzADAwP8Af39/AAAAAAAAAAAAAAAAAAAAAAAAAAAAIQAAABgAAAAUAAAAwAMAANgJAABARwAAsCUAABAAAAAmAAAACAAAAAAAAAAAAAAA"/>
               </a:ext>
             </a:extLst>
           </p:cNvSpPr>
@@ -5178,7 +5212,7 @@
             <a:spLocks noGrp="1" noChangeArrowheads="1"/>
             <a:extLst>
               <a:ext uri="smNativeData">
-                <pr:smNativeData xmlns:pr="smNativeData" xmlns="smNativeData" val="SMDATA_15_msZJaRMAAAAlAAAAZAAAAA0AAAAAkAAAAEgAAACQAAAASAAAAAAAAAABAAAAAAAAAAEAAABQAAAAAAAAAAAA4D8AAAAAAADgPwAAAAAAAOA/AAAAAAAA4D8AAAAAAADgPwAAAAAAAOA/AAAAAAAA4D8AAAAAAADgPwAAAAAAAOA/AAAAAAAA4D8CAAAAjAAAAAAAAAAAAAAAu+DjDP///wgAAAAAAAAAAAAAAAAAAAAAAAAAAAAAAAAAAAAAZAAAAAEAAABAAAAAAAAAAAAAAAAAAAAAAAAAAAAAAAAAAAAAAAAAAAAAAAAAAAAAAAAAAAAAAAAAAAAAAAAAAAAAAAAAAAAAAAAAAAAAAAAAAAAAAAAAAAAAAAAAAAAAFAAAADwAAAAAAAAAAAAAAAAAAAkUAAAAAQAAABQAAAAUAAAAFAAAAAEAAAAAAAAAZAAAAGQAAAAAAAAAZAAAAGQAAAAVAAAAYAAAAAAAAAAAAAAADwAAACADAAAAAAAAAAAAAAEAAACgMgAAVgcAAKr4//8BAAAAf39/AAEAAABkAAAAAAAAABQAAABAHwAAAAAAACYAAAAAAAAAwOD//wAAAAAmAAAAZAAAABYAAABMAAAAAAAAAAAAAAAEAAAAAAAAAAEAAACAgIAKAAAAACgAAAAoAAAAZAAAAGQAAAAAAAAAzMzMAAAAAABQAAAAUAAAAGQAAABkAAAAAAAAABcAAAAUAAAAAAAAAAAAAAD/fwAA/38AAAAAAAAJAAAABAAAAAAAAAAeAAAAaAAAAAAAAAAAAAAAAAAAAAAAAAAAAAAAECcAABAnAAAAAAAAAAAAAAAAAAAAAAAAAAAAAAAAAAAAAAAAAAAAABQAAAAAAAAAwMD/AAAAAABkAAAAMgAAAAAAAABkAAAAAAAAAH9/fwAKAAAAIgAAABgAAAAAAAAAAAAAAAAAAAAAAAAAAAAAAAAAAAAkAAAAJAAAAAAAAAAHAAAAAAAAAAAAAAAAAAAAAAAAAAAAAAAAAAAAf39/ACUAAABYAAAAAAAAAAAAAAAAAAAAAAAAAAAAAAAAAAAAAAAAAAAAAAAAAAAAAAAAAAAAAAA/AAAAAAAAAKCGAQAAAAAAAAAAAAAAAAAMAAAAAQAAAAAAAAAAAAAAAAAAAB8AAABUAAAAAAAABQAAAAEAAAAAAAAAAAAAAAAAAAAAAAAAAAAAAAAAAAAAAAAAAAAAAAJ/f38AAAAAA8zMzADAwP8Af39/AAAAAAAAAAAAAAAAAAAAAAAAAAAAIQAAABgAAAAUAAAAwAMAALABAABARwAAuAgAABAAAAAmAAAACAAAAAAAAAAAAAAA"/>
+                <pr:smNativeData xmlns:pr="smNativeData" xmlns="smNativeData" val="SMDATA_15_D/RJaRMAAAAlAAAAZAAAAA0AAAAAkAAAAEgAAACQAAAASAAAAAAAAAABAAAAAAAAAAEAAABQAAAAAAAAAAAA4D8AAAAAAADgPwAAAAAAAOA/AAAAAAAA4D8AAAAAAADgPwAAAAAAAOA/AAAAAAAA4D8AAAAAAADgPwAAAAAAAOA/AAAAAAAA4D8CAAAAjAAAAAAAAAAAAAAAu+DjDP///wgAAAAAAAAAAAAAAAAAAAAAAAAAAAAAAAAAAAAAZAAAAAEAAABAAAAAAAAAAAAAAAAAAAAAAAAAAAAAAAAAAAAAAAAAAAAAAAAAAAAAAAAAAAAAAAAAAAAAAAAAAAAAAAAAAAAAAAAAAAAAAAAAAAAAAAAAAAAAAAAAAAAAFAAAADwAAAAAAAAAAAAAAAAAAAkUAAAAAQAAABQAAAAUAAAAFAAAAAEAAAAAAAAAZAAAAGQAAAAAAAAAZAAAAGQAAAAVAAAAYAAAAAAAAAAAAAAADwAAACADAAAAAAAAAAAAAAEAAACgMgAAVgcAAKr4//8BAAAAf39/AAEAAABkAAAAAAAAABQAAABAHwAAAAAAACYAAAAAAAAAwOD//wAAAAAmAAAAZAAAABYAAABMAAAAAAAAAAAAAAAEAAAAAAAAAAEAAACAgIAKAAAAACgAAAAoAAAAZAAAAGQAAAAAAAAAzMzMAAAAAABQAAAAUAAAAGQAAABkAAAAAAAAABcAAAAUAAAAAAAAAAAAAAD/fwAA/38AAAAAAAAJAAAABAAAAAAAAAAeAAAAaAAAAAAAAAAAAAAAAAAAAAAAAAAAAAAAECcAABAnAAAAAAAAAAAAAAAAAAAAAAAAAAAAAAAAAAAAAAAAAAAAABQAAAAAAAAAwMD/AAAAAABkAAAAMgAAAAAAAABkAAAAAAAAAH9/fwAKAAAAIgAAABgAAAAAAAAAAAAAAAAAAAAAAAAAAAAAAAAAAAAkAAAAJAAAAAAAAAAHAAAAAAAAAAAAAAAAAAAAAAAAAAAAAAAAAAAAf39/ACUAAABYAAAAAAAAAAAAAAAAAAAAAAAAAAAAAAAAAAAAAAAAAAAAAAAAAAAAAAAAAAAAAAA/AAAAAAAAAKCGAQAAAAAAAAAAAAAAAAAMAAAAAQAAAAAAAAAAAAAAAAAAAB8AAABUAAAAAAAABQAAAAEAAAAAAAAAAAAAAAAAAAAAAAAAAAAAAAAAAAAAAAAAAAAAAAJ/f38AAAAAA8zMzADAwP8Af39/AAAAAAAAAAAAAAAAAAAAAAAAAAAAIQAAABgAAAAUAAAAwAMAALABAABARwAAuAgAABAAAAAmAAAACAAAAAAAAAAAAAAA"/>
               </a:ext>
             </a:extLst>
           </p:cNvSpPr>
@@ -5205,7 +5239,7 @@
             <a:spLocks noGrp="1" noChangeArrowheads="1"/>
             <a:extLst>
               <a:ext uri="smNativeData">
-                <pr:smNativeData xmlns:pr="smNativeData" xmlns="smNativeData" val="SMDATA_15_msZJaRMAAAAlAAAAZAAAAA0AAAAAkAAAAEgAAACQAAAASAAAAAAAAAAAAAAAAAAAAAEAAABQAAAAAAAAAAAA4D8AAAAAAADgPwAAAAAAAOA/AAAAAAAA4D8AAAAAAADgPwAAAAAAAOA/AAAAAAAA4D8AAAAAAADgPwAAAAAAAOA/AAAAAAAA4D8CAAAAjAAAAAAAAAAAAAAAu+DjDP///wgAAAAAAAAAAAAAAAAAAAAAAAAAAAAAAAAAAAAAZAAAAAEAAABAAAAAAAAAAAAAAAAAAAAAAAAAAAAAAAAAAAAAAAAAAAAAAAAAAAAAAAAAAAAAAAAAAAAAAAAAAAAAAAAAAAAAAAAAAAAAAAAAAAAAAAAAAAAAAAAAAAAAFAAAADwAAAAAAAAAAAAAAAAAAAkUAAAAAQAAABQAAAAUAAAAFAAAAAEAAAAAAAAAZAAAAGQAAAAAAAAAZAAAAGQAAAAVAAAAYAAAAAAAAAAAAAAADwAAACADAAAAAAAAAAAAAAEAAACgMgAAVgcAAKr4//8BAAAAf39/AAEAAABkAAAAAAAAABQAAABAHwAAAAAAACYAAAAAAAAAwOD//wAAAAAmAAAAZAAAABYAAABMAAAAAAAAAAAAAAAEAAAAAAAAAAEAAACAgIAKAAAAACgAAAAoAAAAZAAAAGQAAAAAAAAAzMzMAAAAAABQAAAAUAAAAGQAAABkAAAAAAAAABcAAAAUAAAAAAAAAAAAAAD/fwAA/38AAAAAAAAJAAAABAAAAF8AYAAeAAAAaAAAAAAAAAAAAAAAAAAAAAAAAAAAAAAAECcAABAnAAAAAAAAAAAAAAAAAAAAAAAAAAAAAAAAAAAAAAAAAAAAABQAAAAAAAAAwMD/AAAAAABkAAAAMgAAAAAAAABkAAAAAAAAAH9/fwAKAAAAIgAAABgAAAAAAAAAAAAAAAAAAAAAAAAAAAAAAAAAAAAkAAAAJAAAAAAAAAAHAAAAAAAAAAAAAAAAAAAAAAAAAAAAAAAAAAAAf39/ACUAAABYAAAAAAAAAAAAAAAAAAAAAAAAAAAAAAAAAAAAAAAAAAAAAAAAAAAAAAAAAAAAAAA/AAAAAAAAAKCGAQAAAAAAAAAAAAAAAAAMAAAAAQAAAAAAAAAAAAAAAAAAAB8AAABUAAAAAAAABQAAAAEAAAAAAAAAAAAAAAAAAAAAAAAAAAAAAAAAAAAAAAAAAAAAAAJ/f38AAAAAA8zMzADAwP8Af39/AAAAAAAAAAAAAAAAAAAAAAAAAAAAIQAAABgAAAAUAAAAwAMAANgJAABARwAAsCUAABAAAAAmAAAACAAAAAAAAAAAAAAA"/>
+                <pr:smNativeData xmlns:pr="smNativeData" xmlns="smNativeData" val="SMDATA_15_D/RJaRMAAAAlAAAAZAAAAA0AAAAAkAAAAEgAAACQAAAASAAAAAAAAAAAAAAAAAAAAAEAAABQAAAAAAAAAAAA4D8AAAAAAADgPwAAAAAAAOA/AAAAAAAA4D8AAAAAAADgPwAAAAAAAOA/AAAAAAAA4D8AAAAAAADgPwAAAAAAAOA/AAAAAAAA4D8CAAAAjAAAAAAAAAAAAAAAu+DjDP///wgAAAAAAAAAAAAAAAAAAAAAAAAAAAAAAAAAAAAAZAAAAAEAAABAAAAAAAAAAAAAAAAAAAAAAAAAAAAAAAAAAAAAAAAAAAAAAAAAAAAAAAAAAAAAAAAAAAAAAAAAAAAAAAAAAAAAAAAAAAAAAAAAAAAAAAAAAAAAAAAAAAAAFAAAADwAAAAAAAAAAAAAAAAAAAkUAAAAAQAAABQAAAAUAAAAFAAAAAEAAAAAAAAAZAAAAGQAAAAAAAAAZAAAAGQAAAAVAAAAYAAAAAAAAAAAAAAADwAAACADAAAAAAAAAAAAAAEAAACgMgAAVgcAAKr4//8BAAAAf39/AAEAAABkAAAAAAAAABQAAABAHwAAAAAAACYAAAAAAAAAwOD//wAAAAAmAAAAZAAAABYAAABMAAAAAAAAAAAAAAAEAAAAAAAAAAEAAACAgIAKAAAAACgAAAAoAAAAZAAAAGQAAAAAAAAAzMzMAAAAAABQAAAAUAAAAGQAAABkAAAAAAAAABcAAAAUAAAAAAAAAAAAAAD/fwAA/38AAAAAAAAJAAAABAAAAF8AYAAeAAAAaAAAAAAAAAAAAAAAAAAAAAAAAAAAAAAAECcAABAnAAAAAAAAAAAAAAAAAAAAAAAAAAAAAAAAAAAAAAAAAAAAABQAAAAAAAAAwMD/AAAAAABkAAAAMgAAAAAAAABkAAAAAAAAAH9/fwAKAAAAIgAAABgAAAAAAAAAAAAAAAAAAAAAAAAAAAAAAAAAAAAkAAAAJAAAAAAAAAAHAAAAAAAAAAAAAAAAAAAAAAAAAAAAAAAAAAAAf39/ACUAAABYAAAAAAAAAAAAAAAAAAAAAAAAAAAAAAAAAAAAAAAAAAAAAAAAAAAAAAAAAAAAAAA/AAAAAAAAAKCGAQAAAAAAAAAAAAAAAAAMAAAAAQAAAAAAAAAAAAAAAAAAAB8AAABUAAAAAAAABQAAAAEAAAAAAAAAAAAAAAAAAAAAAAAAAAAAAAAAAAAAAAAAAAAAAAJ/f38AAAAAA8zMzADAwP8Af39/AAAAAAAAAAAAAAAAAAAAAAAAAAAAIQAAABgAAAAUAAAAwAMAANgJAABARwAAsCUAABAAAAAmAAAACAAAAAAAAAAAAAAA"/>
               </a:ext>
             </a:extLst>
           </p:cNvSpPr>
@@ -5282,7 +5316,7 @@
             <a:spLocks noGrp="1" noChangeArrowheads="1"/>
             <a:extLst>
               <a:ext uri="smNativeData">
-                <pr:smNativeData xmlns:pr="smNativeData" xmlns="smNativeData" val="SMDATA_15_msZJaRMAAAAlAAAAZAAAAA0AAAAAkAAAAEgAAACQAAAASAAAAAAAAAABAAAAAAAAAAEAAABQAAAAAAAAAAAA4D8AAAAAAADgPwAAAAAAAOA/AAAAAAAA4D8AAAAAAADgPwAAAAAAAOA/AAAAAAAA4D8AAAAAAADgPwAAAAAAAOA/AAAAAAAA4D8CAAAAjAAAAAAAAAAAAAAAu+DjDP///wgAAAAAAAAAAAAAAAAAAAAAAAAAAAAAAAAAAAAAZAAAAAEAAABAAAAAAAAAAAAAAAAAAAAAAAAAAAAAAAAAAAAAAAAAAAAAAAAAAAAAAAAAAAAAAAAAAAAAAAAAAAAAAAAAAAAAAAAAAAAAAAAAAAAAAAAAAAAAAAAAAAAAFAAAADwAAAAAAAAAAAAAAAAAAAkUAAAAAQAAABQAAAAUAAAAFAAAAAEAAAAAAAAAZAAAAGQAAAAAAAAAZAAAAGQAAAAVAAAAYAAAAAAAAAAAAAAADwAAACADAAAAAAAAAAAAAAEAAACgMgAAVgcAAKr4//8BAAAAf39/AAEAAABkAAAAAAAAABQAAABAHwAAAAAAACYAAAAAAAAAwOD//wAAAAAmAAAAZAAAABYAAABMAAAAAAAAAAAAAAAEAAAAAAAAAAEAAACAgIAKAAAAACgAAAAoAAAAZAAAAGQAAAAAAAAAzMzMAAAAAABQAAAAUAAAAGQAAABkAAAAAAAAABcAAAAUAAAAAAAAAAAAAAD/fwAA/38AAAAAAAAJAAAABAAAAF8AYAAeAAAAaAAAAAAAAAAAAAAAAAAAAAAAAAAAAAAAECcAABAnAAAAAAAAAAAAAAAAAAAAAAAAAAAAAAAAAAAAAAAAAAAAABQAAAAAAAAAwMD/AAAAAABkAAAAMgAAAAAAAABkAAAAAAAAAH9/fwAKAAAAIgAAABgAAAAAAAAAAAAAAAAAAAAAAAAAAAAAAAAAAAAkAAAAJAAAAAAAAAAHAAAAAAAAAAAAAAAAAAAAAAAAAAAAAAAAAAAAf39/ACUAAABYAAAAAAAAAAAAAAAAAAAAAAAAAAAAAAAAAAAAAAAAAAAAAAAAAAAAAAAAAAAAAAA/AAAAAAAAAKCGAQAAAAAAAAAAAAAAAAAMAAAAAQAAAAAAAAAAAAAAAAAAAB8AAABUAAAAAAAABQAAAAEAAAAAAAAAAAAAAAAAAAAAAAAAAAAAAAAAAAAAAAAAAAAAAAJ/f38AAAAAA8zMzADAwP8Af39/AAAAAAAAAAAAAAAAAAAAAAAAAAAAIQAAABgAAAAUAAAAwAMAALABAABARwAAuAgAABAAAAAmAAAACAAAAAAAAAAAAAAA"/>
+                <pr:smNativeData xmlns:pr="smNativeData" xmlns="smNativeData" val="SMDATA_15_D/RJaRMAAAAlAAAAZAAAAA0AAAAAkAAAAEgAAACQAAAASAAAAAAAAAABAAAAAAAAAAEAAABQAAAAAAAAAAAA4D8AAAAAAADgPwAAAAAAAOA/AAAAAAAA4D8AAAAAAADgPwAAAAAAAOA/AAAAAAAA4D8AAAAAAADgPwAAAAAAAOA/AAAAAAAA4D8CAAAAjAAAAAAAAAAAAAAAu+DjDP///wgAAAAAAAAAAAAAAAAAAAAAAAAAAAAAAAAAAAAAZAAAAAEAAABAAAAAAAAAAAAAAAAAAAAAAAAAAAAAAAAAAAAAAAAAAAAAAAAAAAAAAAAAAAAAAAAAAAAAAAAAAAAAAAAAAAAAAAAAAAAAAAAAAAAAAAAAAAAAAAAAAAAAFAAAADwAAAAAAAAAAAAAAAAAAAkUAAAAAQAAABQAAAAUAAAAFAAAAAEAAAAAAAAAZAAAAGQAAAAAAAAAZAAAAGQAAAAVAAAAYAAAAAAAAAAAAAAADwAAACADAAAAAAAAAAAAAAEAAACgMgAAVgcAAKr4//8BAAAAf39/AAEAAABkAAAAAAAAABQAAABAHwAAAAAAACYAAAAAAAAAwOD//wAAAAAmAAAAZAAAABYAAABMAAAAAAAAAAAAAAAEAAAAAAAAAAEAAACAgIAKAAAAACgAAAAoAAAAZAAAAGQAAAAAAAAAzMzMAAAAAABQAAAAUAAAAGQAAABkAAAAAAAAABcAAAAUAAAAAAAAAAAAAAD/fwAA/38AAAAAAAAJAAAABAAAAF8AYAAeAAAAaAAAAAAAAAAAAAAAAAAAAAAAAAAAAAAAECcAABAnAAAAAAAAAAAAAAAAAAAAAAAAAAAAAAAAAAAAAAAAAAAAABQAAAAAAAAAwMD/AAAAAABkAAAAMgAAAAAAAABkAAAAAAAAAH9/fwAKAAAAIgAAABgAAAAAAAAAAAAAAAAAAAAAAAAAAAAAAAAAAAAkAAAAJAAAAAAAAAAHAAAAAAAAAAAAAAAAAAAAAAAAAAAAAAAAAAAAf39/ACUAAABYAAAAAAAAAAAAAAAAAAAAAAAAAAAAAAAAAAAAAAAAAAAAAAAAAAAAAAAAAAAAAAA/AAAAAAAAAKCGAQAAAAAAAAAAAAAAAAAMAAAAAQAAAAAAAAAAAAAAAAAAAB8AAABUAAAAAAAABQAAAAEAAAAAAAAAAAAAAAAAAAAAAAAAAAAAAAAAAAAAAAAAAAAAAAJ/f38AAAAAA8zMzADAwP8Af39/AAAAAAAAAAAAAAAAAAAAAAAAAAAAIQAAABgAAAAUAAAAwAMAALABAABARwAAuAgAABAAAAAmAAAACAAAAAAAAAAAAAAA"/>
               </a:ext>
             </a:extLst>
           </p:cNvSpPr>
@@ -5309,7 +5343,7 @@
             <a:spLocks noGrp="1" noChangeArrowheads="1"/>
             <a:extLst>
               <a:ext uri="smNativeData">
-                <pr:smNativeData xmlns:pr="smNativeData" xmlns="smNativeData" val="SMDATA_15_msZJaRMAAAAlAAAAZAAAAA0AAAAAkAAAAEgAAACQAAAASAAAAAAAAAAAAAAAAAAAAAEAAABQAAAAAAAAAAAA4D8AAAAAAADgPwAAAAAAAOA/AAAAAAAA4D8AAAAAAADgPwAAAAAAAOA/AAAAAAAA4D8AAAAAAADgPwAAAAAAAOA/AAAAAAAA4D8CAAAAjAAAAAAAAAAAAAAAu+DjDP///wgAAAAAAAAAAAAAAAAAAAAAAAAAAAAAAAAAAAAAZAAAAAEAAABAAAAAAAAAAAAAAAAAAAAAAAAAAAAAAAAAAAAAAAAAAAAAAAAAAAAAAAAAAAAAAAAAAAAAAAAAAAAAAAAAAAAAAAAAAAAAAAAAAAAAAAAAAAAAAAAAAAAAFAAAADwAAAAAAAAAAAAAAAAAAAkUAAAAAQAAABQAAAAUAAAAFAAAAAEAAAAAAAAAZAAAAGQAAAAAAAAAZAAAAGQAAAAVAAAAYAAAAAAAAAAAAAAADwAAACADAAAAAAAAAAAAAAEAAACgMgAAVgcAAKr4//8BAAAAf39/AAEAAABkAAAAAAAAABQAAABAHwAAAAAAACYAAAAAAAAAwOD//wAAAAAmAAAAZAAAABYAAABMAAAAAAAAAAAAAAAEAAAAAAAAAAEAAACAgIAKAAAAACgAAAAoAAAAZAAAAGQAAAAAAAAAzMzMAAAAAABQAAAAUAAAAGQAAABkAAAAAAAAABcAAAAUAAAAAAAAAAAAAAD/fwAA/38AAAAAAAAJAAAABAAAAF8AYAAeAAAAaAAAAAAAAAAAAAAAAAAAAAAAAAAAAAAAECcAABAnAAAAAAAAAAAAAAAAAAAAAAAAAAAAAAAAAAAAAAAAAAAAABQAAAAAAAAAwMD/AAAAAABkAAAAMgAAAAAAAABkAAAAAAAAAH9/fwAKAAAAIgAAABgAAAAAAAAAAAAAAAAAAAAAAAAAAAAAAAAAAAAkAAAAJAAAAAAAAAAHAAAAAAAAAAAAAAAAAAAAAAAAAAAAAAAAAAAAf39/ACUAAABYAAAAAAAAAAAAAAAAAAAAAAAAAAAAAAAAAAAAAAAAAAAAAAAAAAAAAAAAAAAAAAA/AAAAAAAAAKCGAQAAAAAAAAAAAAAAAAAMAAAAAQAAAAAAAAAAAAAAAAAAAB8AAABUAAAAAAAABQAAAAEAAAAAAAAAAAAAAAAAAAAAAAAAAAAAAAAAAAAAAAAAAAAAAAJ/f38AAAAAA8zMzADAwP8Af39/AAAAAAAAAAAAAAAAAAAAAAAAAAAAIQAAABgAAAAUAAAAwAMAANgJAABARwAAsCUAABAAAAAmAAAACAAAAAAAAAAAAAAA"/>
+                <pr:smNativeData xmlns:pr="smNativeData" xmlns="smNativeData" val="SMDATA_15_D/RJaRMAAAAlAAAAZAAAAA0AAAAAkAAAAEgAAACQAAAASAAAAAAAAAAAAAAAAAAAAAEAAABQAAAAAAAAAAAA4D8AAAAAAADgPwAAAAAAAOA/AAAAAAAA4D8AAAAAAADgPwAAAAAAAOA/AAAAAAAA4D8AAAAAAADgPwAAAAAAAOA/AAAAAAAA4D8CAAAAjAAAAAAAAAAAAAAAu+DjDP///wgAAAAAAAAAAAAAAAAAAAAAAAAAAAAAAAAAAAAAZAAAAAEAAABAAAAAAAAAAAAAAAAAAAAAAAAAAAAAAAAAAAAAAAAAAAAAAAAAAAAAAAAAAAAAAAAAAAAAAAAAAAAAAAAAAAAAAAAAAAAAAAAAAAAAAAAAAAAAAAAAAAAAFAAAADwAAAAAAAAAAAAAAAAAAAkUAAAAAQAAABQAAAAUAAAAFAAAAAEAAAAAAAAAZAAAAGQAAAAAAAAAZAAAAGQAAAAVAAAAYAAAAAAAAAAAAAAADwAAACADAAAAAAAAAAAAAAEAAACgMgAAVgcAAKr4//8BAAAAf39/AAEAAABkAAAAAAAAABQAAABAHwAAAAAAACYAAAAAAAAAwOD//wAAAAAmAAAAZAAAABYAAABMAAAAAAAAAAAAAAAEAAAAAAAAAAEAAACAgIAKAAAAACgAAAAoAAAAZAAAAGQAAAAAAAAAzMzMAAAAAABQAAAAUAAAAGQAAABkAAAAAAAAABcAAAAUAAAAAAAAAAAAAAD/fwAA/38AAAAAAAAJAAAABAAAAF8AYAAeAAAAaAAAAAAAAAAAAAAAAAAAAAAAAAAAAAAAECcAABAnAAAAAAAAAAAAAAAAAAAAAAAAAAAAAAAAAAAAAAAAAAAAABQAAAAAAAAAwMD/AAAAAABkAAAAMgAAAAAAAABkAAAAAAAAAH9/fwAKAAAAIgAAABgAAAAAAAAAAAAAAAAAAAAAAAAAAAAAAAAAAAAkAAAAJAAAAAAAAAAHAAAAAAAAAAAAAAAAAAAAAAAAAAAAAAAAAAAAf39/ACUAAABYAAAAAAAAAAAAAAAAAAAAAAAAAAAAAAAAAAAAAAAAAAAAAAAAAAAAAAAAAAAAAAA/AAAAAAAAAKCGAQAAAAAAAAAAAAAAAAAMAAAAAQAAAAAAAAAAAAAAAAAAAB8AAABUAAAAAAAABQAAAAEAAAAAAAAAAAAAAAAAAAAAAAAAAAAAAAAAAAAAAAAAAAAAAAJ/f38AAAAAA8zMzADAwP8Af39/AAAAAAAAAAAAAAAAAAAAAAAAAAAAIQAAABgAAAAUAAAAwAMAANgJAABARwAAsCUAABAAAAAmAAAACAAAAAAAAAAAAAAA"/>
               </a:ext>
             </a:extLst>
           </p:cNvSpPr>
@@ -5440,7 +5474,7 @@
             <a:spLocks noGrp="1" noChangeArrowheads="1"/>
             <a:extLst>
               <a:ext uri="smNativeData">
-                <pr:smNativeData xmlns:pr="smNativeData" xmlns="smNativeData" val="SMDATA_15_msZJaRMAAAAlAAAAZAAAAA0AAAAAkAAAAEgAAACQAAAASAAAAAAAAAABAAAAAAAAAAEAAABQAAAAAAAAAAAA4D8AAAAAAADgPwAAAAAAAOA/AAAAAAAA4D8AAAAAAADgPwAAAAAAAOA/AAAAAAAA4D8AAAAAAADgPwAAAAAAAOA/AAAAAAAA4D8CAAAAjAAAAAAAAAAAAAAAu+DjDP///wgAAAAAAAAAAAAAAAAAAAAAAAAAAAAAAAAAAAAAZAAAAAEAAABAAAAAAAAAAAAAAAAAAAAAAAAAAAAAAAAAAAAAAAAAAAAAAAAAAAAAAAAAAAAAAAAAAAAAAAAAAAAAAAAAAAAAAAAAAAAAAAAAAAAAAAAAAAAAAAAAAAAAFAAAADwAAAAAAAAAAAAAAAAAAAkUAAAAAQAAABQAAAAUAAAAFAAAAAEAAAAAAAAAZAAAAGQAAAAAAAAAZAAAAGQAAAAVAAAAYAAAAAAAAAAAAAAADwAAACADAAAAAAAAAAAAAAEAAACgMgAAVgcAAKr4//8BAAAAf39/AAEAAABkAAAAAAAAABQAAABAHwAAAAAAACYAAAAAAAAAwOD//wAAAAAmAAAAZAAAABYAAABMAAAAAAAAAAAAAAAEAAAAAAAAAAEAAACAgIAKAAAAACgAAAAoAAAAZAAAAGQAAAAAAAAAzMzMAAAAAABQAAAAUAAAAGQAAABkAAAAAAAAABcAAAAUAAAAAAAAAAAAAAD/fwAA/38AAAAAAAAJAAAABAAAAAAAAAAeAAAAaAAAAAAAAAAAAAAAAAAAAAAAAAAAAAAAECcAABAnAAAAAAAAAAAAAAAAAAAAAAAAAAAAAAAAAAAAAAAAAAAAABQAAAAAAAAAwMD/AAAAAABkAAAAMgAAAAAAAABkAAAAAAAAAH9/fwAKAAAAIgAAABgAAAAAAAAAAAAAAAAAAAAAAAAAAAAAAAAAAAAkAAAAJAAAAAAAAAAHAAAAAAAAAAAAAAAAAAAAAAAAAAAAAAAAAAAAf39/ACUAAABYAAAAAAAAAAAAAAAAAAAAAAAAAAAAAAAAAAAAAAAAAAAAAAAAAAAAAAAAAAAAAAA/AAAAAAAAAKCGAQAAAAAAAAAAAAAAAAAMAAAAAQAAAAAAAAAAAAAAAAAAAB8AAABUAAAAAAAABQAAAAEAAAAAAAAAAAAAAAAAAAAAAAAAAAAAAAAAAAAAAAAAAAAAAAJ/f38AAAAAA8zMzADAwP8Af39/AAAAAAAAAAAAAAAAAAAAAAAAAAAAIQAAABgAAAAUAAAAwAMAALABAABARwAAuAgAABAAAAAmAAAACAAAAAAAAAAAAAAA"/>
+                <pr:smNativeData xmlns:pr="smNativeData" xmlns="smNativeData" val="SMDATA_15_D/RJaRMAAAAlAAAAZAAAAA0AAAAAkAAAAEgAAACQAAAASAAAAAAAAAABAAAAAAAAAAEAAABQAAAAAAAAAAAA4D8AAAAAAADgPwAAAAAAAOA/AAAAAAAA4D8AAAAAAADgPwAAAAAAAOA/AAAAAAAA4D8AAAAAAADgPwAAAAAAAOA/AAAAAAAA4D8CAAAAjAAAAAAAAAAAAAAAu+DjDP///wgAAAAAAAAAAAAAAAAAAAAAAAAAAAAAAAAAAAAAZAAAAAEAAABAAAAAAAAAAAAAAAAAAAAAAAAAAAAAAAAAAAAAAAAAAAAAAAAAAAAAAAAAAAAAAAAAAAAAAAAAAAAAAAAAAAAAAAAAAAAAAAAAAAAAAAAAAAAAAAAAAAAAFAAAADwAAAAAAAAAAAAAAAAAAAkUAAAAAQAAABQAAAAUAAAAFAAAAAEAAAAAAAAAZAAAAGQAAAAAAAAAZAAAAGQAAAAVAAAAYAAAAAAAAAAAAAAADwAAACADAAAAAAAAAAAAAAEAAACgMgAAVgcAAKr4//8BAAAAf39/AAEAAABkAAAAAAAAABQAAABAHwAAAAAAACYAAAAAAAAAwOD//wAAAAAmAAAAZAAAABYAAABMAAAAAAAAAAAAAAAEAAAAAAAAAAEAAACAgIAKAAAAACgAAAAoAAAAZAAAAGQAAAAAAAAAzMzMAAAAAABQAAAAUAAAAGQAAABkAAAAAAAAABcAAAAUAAAAAAAAAAAAAAD/fwAA/38AAAAAAAAJAAAABAAAAAAAAAAeAAAAaAAAAAAAAAAAAAAAAAAAAAAAAAAAAAAAECcAABAnAAAAAAAAAAAAAAAAAAAAAAAAAAAAAAAAAAAAAAAAAAAAABQAAAAAAAAAwMD/AAAAAABkAAAAMgAAAAAAAABkAAAAAAAAAH9/fwAKAAAAIgAAABgAAAAAAAAAAAAAAAAAAAAAAAAAAAAAAAAAAAAkAAAAJAAAAAAAAAAHAAAAAAAAAAAAAAAAAAAAAAAAAAAAAAAAAAAAf39/ACUAAABYAAAAAAAAAAAAAAAAAAAAAAAAAAAAAAAAAAAAAAAAAAAAAAAAAAAAAAAAAAAAAAA/AAAAAAAAAKCGAQAAAAAAAAAAAAAAAAAMAAAAAQAAAAAAAAAAAAAAAAAAAB8AAABUAAAAAAAABQAAAAEAAAAAAAAAAAAAAAAAAAAAAAAAAAAAAAAAAAAAAAAAAAAAAAJ/f38AAAAAA8zMzADAwP8Af39/AAAAAAAAAAAAAAAAAAAAAAAAAAAAIQAAABgAAAAUAAAAwAMAALABAABARwAAuAgAABAAAAAmAAAACAAAAAAAAAAAAAAA"/>
               </a:ext>
             </a:extLst>
           </p:cNvSpPr>
@@ -5469,7 +5503,7 @@
             <a:spLocks noGrp="1" noChangeArrowheads="1"/>
             <a:extLst>
               <a:ext uri="smNativeData">
-                <pr:smNativeData xmlns:pr="smNativeData" xmlns="smNativeData" val="SMDATA_15_msZJaRMAAAAlAAAAZAAAAA0AAAAAkAAAAEgAAACQAAAASAAAAAAAAAAAAAAAAAAAAAEAAABQAAAAAAAAAAAA4D8AAAAAAADgPwAAAAAAAOA/AAAAAAAA4D8AAAAAAADgPwAAAAAAAOA/AAAAAAAA4D8AAAAAAADgPwAAAAAAAOA/AAAAAAAA4D8CAAAAjAAAAAAAAAAAAAAAu+DjDP///wgAAAAAAAAAAAAAAAAAAAAAAAAAAAAAAAAAAAAAZAAAAAEAAABAAAAAAAAAAAAAAAAAAAAAAAAAAAAAAAAAAAAAAAAAAAAAAAAAAAAAAAAAAAAAAAAAAAAAAAAAAAAAAAAAAAAAAAAAAAAAAAAAAAAAAAAAAAAAAAAAAAAAFAAAADwAAAAAAAAAAAAAAAAAAAkUAAAAAQAAABQAAAAUAAAAFAAAAAEAAAAAAAAAZAAAAGQAAAAAAAAAZAAAAGQAAAAVAAAAYAAAAAAAAAAAAAAADwAAACADAAAAAAAAAAAAAAEAAACgMgAAVgcAAKr4//8BAAAAf39/AAEAAABkAAAAAAAAABQAAABAHwAAAAAAACYAAAAAAAAAwOD//wAAAAAmAAAAZAAAABYAAABMAAAAAAAAAAAAAAAEAAAAAAAAAAEAAACAgIAKAAAAACgAAAAoAAAAZAAAAGQAAAAAAAAAzMzMAAAAAABQAAAAUAAAAGQAAABkAAAAAAAAABcAAAAUAAAAAAAAAAAAAAD/fwAA/38AAAAAAAAJAAAABAAAAF8AYAAeAAAAaAAAAAAAAAAAAAAAAAAAAAAAAAAAAAAAECcAABAnAAAAAAAAAAAAAAAAAAAAAAAAAAAAAAAAAAAAAAAAAAAAABQAAAAAAAAAwMD/AAAAAABkAAAAMgAAAAAAAABkAAAAAAAAAH9/fwAKAAAAIgAAABgAAAAAAAAAAAAAAAAAAAAAAAAAAAAAAAAAAAAkAAAAJAAAAAAAAAAHAAAAAAAAAAAAAAAAAAAAAAAAAAAAAAAAAAAAf39/ACUAAABYAAAAAAAAAAAAAAAAAAAAAAAAAAAAAAAAAAAAAAAAAAAAAAAAAAAAAAAAAAAAAAA/AAAAAAAAAKCGAQAAAAAAAAAAAAAAAAAMAAAAAQAAAAAAAAAAAAAAAAAAAB8AAABUAAAAAAAABQAAAAEAAAAAAAAAAAAAAAAAAAAAAAAAAAAAAAAAAAAAAAAAAAAAAAJ/f38AAAAAA8zMzADAwP8Af39/AAAAAAAAAAAAAAAAAAAAAAAAAAAAIQAAABgAAAAUAAAAwAMAANgJAABARwAAchIAABAAAAAmAAAACAAAAAEAAAAAAAAA"/>
+                <pr:smNativeData xmlns:pr="smNativeData" xmlns="smNativeData" val="SMDATA_15_D/RJaRMAAAAlAAAAZAAAAA0AAAAAkAAAAEgAAACQAAAASAAAAAAAAAAAAAAAAAAAAAEAAABQAAAAAAAAAAAA4D8AAAAAAADgPwAAAAAAAOA/AAAAAAAA4D8AAAAAAADgPwAAAAAAAOA/AAAAAAAA4D8AAAAAAADgPwAAAAAAAOA/AAAAAAAA4D8CAAAAjAAAAAAAAAAAAAAAu+DjDP///wgAAAAAAAAAAAAAAAAAAAAAAAAAAAAAAAAAAAAAZAAAAAEAAABAAAAAAAAAAAAAAAAAAAAAAAAAAAAAAAAAAAAAAAAAAAAAAAAAAAAAAAAAAAAAAAAAAAAAAAAAAAAAAAAAAAAAAAAAAAAAAAAAAAAAAAAAAAAAAAAAAAAAFAAAADwAAAAAAAAAAAAAAAAAAAkUAAAAAQAAABQAAAAUAAAAFAAAAAEAAAAAAAAAZAAAAGQAAAAAAAAAZAAAAGQAAAAVAAAAYAAAAAAAAAAAAAAADwAAACADAAAAAAAAAAAAAAEAAACgMgAAVgcAAKr4//8BAAAAf39/AAEAAABkAAAAAAAAABQAAABAHwAAAAAAACYAAAAAAAAAwOD//wAAAAAmAAAAZAAAABYAAABMAAAAAAAAAAAAAAAEAAAAAAAAAAEAAACAgIAKAAAAACgAAAAoAAAAZAAAAGQAAAAAAAAAzMzMAAAAAABQAAAAUAAAAGQAAABkAAAAAAAAABcAAAAUAAAAAAAAAAAAAAD/fwAA/38AAAAAAAAJAAAABAAAAF8AYAAeAAAAaAAAAAAAAAAAAAAAAAAAAAAAAAAAAAAAECcAABAnAAAAAAAAAAAAAAAAAAAAAAAAAAAAAAAAAAAAAAAAAAAAABQAAAAAAAAAwMD/AAAAAABkAAAAMgAAAAAAAABkAAAAAAAAAH9/fwAKAAAAIgAAABgAAAAAAAAAAAAAAAAAAAAAAAAAAAAAAAAAAAAkAAAAJAAAAAAAAAAHAAAAAAAAAAAAAAAAAAAAAAAAAAAAAAAAAAAAf39/ACUAAABYAAAAAAAAAAAAAAAAAAAAAAAAAAAAAAAAAAAAAAAAAAAAAAAAAAAAAAAAAAAAAAA/AAAAAAAAAKCGAQAAAAAAAAAAAAAAAAAMAAAAAQAAAAAAAAAAAAAAAAAAAB8AAABUAAAAAAAABQAAAAEAAAAAAAAAAAAAAAAAAAAAAAAAAAAAAAAAAAAAAAAAAAAAAAJ/f38AAAAAA8zMzADAwP8Af39/AAAAAAAAAAAAAAAAAAAAAAAAAAAAIQAAABgAAAAUAAAAwAMAANgJAABARwAAchIAABAAAAAmAAAACAAAAAEAAAAAAAAA"/>
               </a:ext>
             </a:extLst>
           </p:cNvSpPr>
@@ -5559,7 +5593,7 @@
             <a:spLocks noGrp="1" noChangeArrowheads="1"/>
             <a:extLst>
               <a:ext uri="smNativeData">
-                <pr:smNativeData xmlns:pr="smNativeData" xmlns="smNativeData" val="SMDATA_15_msZJaRMAAAAlAAAAZAAAAA0AAAAAkAAAAEgAAACQAAAASAAAAAAAAAABAAAAAAAAAAEAAABQAAAAAAAAAAAA4D8AAAAAAADgPwAAAAAAAOA/AAAAAAAA4D8AAAAAAADgPwAAAAAAAOA/AAAAAAAA4D8AAAAAAADgPwAAAAAAAOA/AAAAAAAA4D8CAAAAjAAAAAAAAAAAAAAAu+DjDP///wgAAAAAAAAAAAAAAAAAAAAAAAAAAAAAAAAAAAAAZAAAAAEAAABAAAAAAAAAAAAAAAAAAAAAAAAAAAAAAAAAAAAAAAAAAAAAAAAAAAAAAAAAAAAAAAAAAAAAAAAAAAAAAAAAAAAAAAAAAAAAAAAAAAAAAAAAAAAAAAAAAAAAFAAAADwAAAAAAAAAAAAAAAAAAAkUAAAAAQAAABQAAAAUAAAAFAAAAAEAAAAAAAAAZAAAAGQAAAAAAAAAZAAAAGQAAAAVAAAAYAAAAAAAAAAAAAAADwAAACADAAAAAAAAAAAAAAEAAACgMgAAVgcAAKr4//8BAAAAf39/AAEAAABkAAAAAAAAABQAAABAHwAAAAAAACYAAAAAAAAAwOD//wAAAAAmAAAAZAAAABYAAABMAAAAAAAAAAAAAAAEAAAAAAAAAAEAAACAgIAKAAAAACgAAAAoAAAAZAAAAGQAAAAAAAAAzMzMAAAAAABQAAAAUAAAAGQAAABkAAAAAAAAABcAAAAUAAAAAAAAAAAAAAD/fwAA/38AAAAAAAAJAAAABAAAAAAAAAAeAAAAaAAAAAAAAAAAAAAAAAAAAAAAAAAAAAAAECcAABAnAAAAAAAAAAAAAAAAAAAAAAAAAAAAAAAAAAAAAAAAAAAAABQAAAAAAAAAwMD/AAAAAABkAAAAMgAAAAAAAABkAAAAAAAAAH9/fwAKAAAAIgAAABgAAAAAAAAAAAAAAAAAAAAAAAAAAAAAAAAAAAAkAAAAJAAAAAAAAAAHAAAAAAAAAAAAAAAAAAAAAAAAAAAAAAAAAAAAf39/ACUAAABYAAAAAAAAAAAAAAAAAAAAAAAAAAAAAAAAAAAAAAAAAAAAAAAAAAAAAAAAAAAAAAA/AAAAAAAAAKCGAQAAAAAAAAAAAAAAAAAMAAAAAQAAAAAAAAAAAAAAAAAAAB8AAABUAAAAAAAABQAAAAEAAAAAAAAAAAAAAAAAAAAAAAAAAAAAAAAAAAAAAAAAAAAAAAJ/f38AAAAAA8zMzADAwP8Af39/AAAAAAAAAAAAAAAAAAAAAAAAAAAAIQAAABgAAAAUAAAAwAMAABsnAAA/FQAAWSkAABAAAAAmAAAACAAAAAAAAAAAAAAA"/>
+                <pr:smNativeData xmlns:pr="smNativeData" xmlns="smNativeData" val="SMDATA_15_D/RJaRMAAAAlAAAAZAAAAA0AAAAAkAAAAEgAAACQAAAASAAAAAAAAAABAAAAAAAAAAEAAABQAAAAAAAAAAAA4D8AAAAAAADgPwAAAAAAAOA/AAAAAAAA4D8AAAAAAADgPwAAAAAAAOA/AAAAAAAA4D8AAAAAAADgPwAAAAAAAOA/AAAAAAAA4D8CAAAAjAAAAAAAAAAAAAAAu+DjDP///wgAAAAAAAAAAAAAAAAAAAAAAAAAAAAAAAAAAAAAZAAAAAEAAABAAAAAAAAAAAAAAAAAAAAAAAAAAAAAAAAAAAAAAAAAAAAAAAAAAAAAAAAAAAAAAAAAAAAAAAAAAAAAAAAAAAAAAAAAAAAAAAAAAAAAAAAAAAAAAAAAAAAAFAAAADwAAAAAAAAAAAAAAAAAAAkUAAAAAQAAABQAAAAUAAAAFAAAAAEAAAAAAAAAZAAAAGQAAAAAAAAAZAAAAGQAAAAVAAAAYAAAAAAAAAAAAAAADwAAACADAAAAAAAAAAAAAAEAAACgMgAAVgcAAKr4//8BAAAAf39/AAEAAABkAAAAAAAAABQAAABAHwAAAAAAACYAAAAAAAAAwOD//wAAAAAmAAAAZAAAABYAAABMAAAAAAAAAAAAAAAEAAAAAAAAAAEAAACAgIAKAAAAACgAAAAoAAAAZAAAAGQAAAAAAAAAzMzMAAAAAABQAAAAUAAAAGQAAABkAAAAAAAAABcAAAAUAAAAAAAAAAAAAAD/fwAA/38AAAAAAAAJAAAABAAAAAAAAAAeAAAAaAAAAAAAAAAAAAAAAAAAAAAAAAAAAAAAECcAABAnAAAAAAAAAAAAAAAAAAAAAAAAAAAAAAAAAAAAAAAAAAAAABQAAAAAAAAAwMD/AAAAAABkAAAAMgAAAAAAAABkAAAAAAAAAH9/fwAKAAAAIgAAABgAAAAAAAAAAAAAAAAAAAAAAAAAAAAAAAAAAAAkAAAAJAAAAAAAAAAHAAAAAAAAAAAAAAAAAAAAAAAAAAAAAAAAAAAAf39/ACUAAABYAAAAAAAAAAAAAAAAAAAAAAAAAAAAAAAAAAAAAAAAAAAAAAAAAAAAAAAAAAAAAAA/AAAAAAAAAKCGAQAAAAAAAAAAAAAAAAAMAAAAAQAAAAAAAAAAAAAAAAAAAB8AAABUAAAAAAAABQAAAAEAAAAAAAAAAAAAAAAAAAAAAAAAAAAAAAAAAAAAAAAAAAAAAAJ/f38AAAAAA8zMzADAwP8Af39/AAAAAAAAAAAAAAAAAAAAAAAAAAAAIQAAABgAAAAUAAAAwAMAABsnAAA/FQAAWSkAABAAAAAmAAAACAAAAAAAAAAAAAAA"/>
               </a:ext>
             </a:extLst>
           </p:cNvSpPr>
@@ -5573,7 +5607,7 @@
           <a:lstStyle/>
           <a:p>
             <a:pPr/>
-            <a:fld id="{0DCF02C5-8BE0-9AF4-AE77-7DA14C395828}" type="datetime1">
+            <a:fld id="{0C3DC00B-45E1-6836-AF85-B3638ECB59E6}" type="datetime1">
               <a:rPr lang="en-us" cap="none"/>
               <a:t>12/22/2025</a:t>
             </a:fld>
@@ -5588,7 +5622,7 @@
             <a:spLocks noGrp="1" noChangeArrowheads="1"/>
             <a:extLst>
               <a:ext uri="smNativeData">
-                <pr:smNativeData xmlns:pr="smNativeData" xmlns="smNativeData" val="SMDATA_15_msZJaRMAAAAlAAAAZAAAAA0AAAAAkAAAAEgAAACQAAAASAAAAAAAAAABAAAAAAAAAAEAAABQAAAAAAAAAAAA4D8AAAAAAADgPwAAAAAAAOA/AAAAAAAA4D8AAAAAAADgPwAAAAAAAOA/AAAAAAAA4D8AAAAAAADgPwAAAAAAAOA/AAAAAAAA4D8CAAAAjAAAAAAAAAAAAAAAu+DjDP///wgAAAAAAAAAAAAAAAAAAAAAAAAAAAAAAAAAAAAAZAAAAAEAAABAAAAAAAAAAAAAAAAAAAAAAAAAAAAAAAAAAAAAAAAAAAAAAAAAAAAAAAAAAAAAAAAAAAAAAAAAAAAAAAAAAAAAAAAAAAAAAAAAAAAAAAAAAAAAAAAAAAAAFAAAADwAAAAAAAAAAAAAAAAAAAkUAAAAAQAAABQAAAAUAAAAFAAAAAEAAAAAAAAAZAAAAGQAAAAAAAAAZAAAAGQAAAAVAAAAYAAAAAAAAAAAAAAADwAAACADAAAAAAAAAAAAAAEAAACgMgAAVgcAAKr4//8BAAAAf39/AAEAAABkAAAAAAAAABQAAABAHwAAAAAAACYAAAAAAAAAwOD//wAAAAAmAAAAZAAAABYAAABMAAAAAAAAAAAAAAAEAAAAAAAAAAEAAACAgIAKAAAAACgAAAAoAAAAZAAAAGQAAAAAAAAAzMzMAAAAAABQAAAAUAAAAGQAAABkAAAAAAAAABcAAAAUAAAAAAAAAAAAAAD/fwAA/38AAAAAAAAJAAAABAAAAPcgBUUeAAAAaAAAAAAAAAAAAAAAAAAAAAAAAAAAAAAAECcAABAnAAAAAAAAAAAAAAAAAAAAAAAAAAAAAAAAAAAAAAAAAAAAABQAAAAAAAAAwMD/AAAAAABkAAAAMgAAAAAAAABkAAAAAAAAAH9/fwAKAAAAIgAAABgAAAAAAAAAAAAAAAAAAAAAAAAAAAAAAAAAAAAkAAAAJAAAAAAAAAAHAAAAAAAAAAAAAAAAAAAAAAAAAAAAAAAAAAAAf39/ACUAAABYAAAAAAAAAAAAAAAAAAAAAAAAAAAAAAAAAAAAAAAAAAAAAAAAAAAAAAAAAAAAAAA/AAAAAAAAAKCGAQAAAAAAAAAAAAAAAAAMAAAAAQAAAAAAAAAAAAAAAAAAAB8AAABUAAAAAAAABQAAAAEAAAAAAAAAAAAAAAAAAAAAAAAAAAAAAAAAAAAAAAAAAAAAAAJ/f38AAAAAA8zMzADAwP8Af39/AAAAAAAAAAAAAAAAAAAAAAAAAAAAIQAAABgAAAAUAAAAwTUAABsnAABARwAAWSkAABAAAAAmAAAACAAAAAAAAAAAAAAA"/>
+                <pr:smNativeData xmlns:pr="smNativeData" xmlns="smNativeData" val="SMDATA_15_D/RJaRMAAAAlAAAAZAAAAA0AAAAAkAAAAEgAAACQAAAASAAAAAAAAAABAAAAAAAAAAEAAABQAAAAAAAAAAAA4D8AAAAAAADgPwAAAAAAAOA/AAAAAAAA4D8AAAAAAADgPwAAAAAAAOA/AAAAAAAA4D8AAAAAAADgPwAAAAAAAOA/AAAAAAAA4D8CAAAAjAAAAAAAAAAAAAAAu+DjDP///wgAAAAAAAAAAAAAAAAAAAAAAAAAAAAAAAAAAAAAZAAAAAEAAABAAAAAAAAAAAAAAAAAAAAAAAAAAAAAAAAAAAAAAAAAAAAAAAAAAAAAAAAAAAAAAAAAAAAAAAAAAAAAAAAAAAAAAAAAAAAAAAAAAAAAAAAAAAAAAAAAAAAAFAAAADwAAAAAAAAAAAAAAAAAAAkUAAAAAQAAABQAAAAUAAAAFAAAAAEAAAAAAAAAZAAAAGQAAAAAAAAAZAAAAGQAAAAVAAAAYAAAAAAAAAAAAAAADwAAACADAAAAAAAAAAAAAAEAAACgMgAAVgcAAKr4//8BAAAAf39/AAEAAABkAAAAAAAAABQAAABAHwAAAAAAACYAAAAAAAAAwOD//wAAAAAmAAAAZAAAABYAAABMAAAAAAAAAAAAAAAEAAAAAAAAAAEAAACAgIAKAAAAACgAAAAoAAAAZAAAAGQAAAAAAAAAzMzMAAAAAABQAAAAUAAAAGQAAABkAAAAAAAAABcAAAAUAAAAAAAAAAAAAAD/fwAA/38AAAAAAAAJAAAABAAAAPcgBUUeAAAAaAAAAAAAAAAAAAAAAAAAAAAAAAAAAAAAECcAABAnAAAAAAAAAAAAAAAAAAAAAAAAAAAAAAAAAAAAAAAAAAAAABQAAAAAAAAAwMD/AAAAAABkAAAAMgAAAAAAAABkAAAAAAAAAH9/fwAKAAAAIgAAABgAAAAAAAAAAAAAAAAAAAAAAAAAAAAAAAAAAAAkAAAAJAAAAAAAAAAHAAAAAAAAAAAAAAAAAAAAAAAAAAAAAAAAAAAAf39/ACUAAABYAAAAAAAAAAAAAAAAAAAAAAAAAAAAAAAAAAAAAAAAAAAAAAAAAAAAAAAAAAAAAAA/AAAAAAAAAKCGAQAAAAAAAAAAAAAAAAAMAAAAAQAAAAAAAAAAAAAAAAAAAB8AAABUAAAAAAAABQAAAAEAAAAAAAAAAAAAAAAAAAAAAAAAAAAAAAAAAAAAAAAAAAAAAAJ/f38AAAAAA8zMzADAwP8Af39/AAAAAAAAAAAAAAAAAAAAAAAAAAAAIQAAABgAAAAUAAAAwTUAABsnAABARwAAWSkAABAAAAAmAAAACAAAAAAAAAAAAAAA"/>
               </a:ext>
             </a:extLst>
           </p:cNvSpPr>
@@ -5602,7 +5636,7 @@
           <a:lstStyle/>
           <a:p>
             <a:pPr/>
-            <a:fld id="{0DCF7C6B-25E0-9A8A-AE77-D3DF32395886}" type="slidenum">
+            <a:fld id="{0C3D9597-D9E1-6863-AF85-2F36DBCB597A}" type="slidenum">
               <a:rPr lang="en-us" cap="none"/>
               <a:t>8</a:t>
             </a:fld>
@@ -5616,7 +5650,7 @@
           <p:cNvSpPr>
             <a:extLst>
               <a:ext uri="smNativeData">
-                <pr:smNativeData xmlns:pr="smNativeData" xmlns="smNativeData" val="SMDATA_15_msZJaRMAAAAlAAAAZAAAAE0AAAAAkAAAAEgAAACQAAAASAAAAAAAAAAAAAAAAAAAAAEAAABQAAAAAAAAAAAA4D8AAAAAAADgPwAAAAAAAOA/AAAAAAAA4D8AAAAAAADgPwAAAAAAAOA/AAAAAAAA4D8AAAAAAADgPwAAAAAAAOA/AAAAAAAA4D8CAAAAjAAAAAAAAAAAAAAAu+DjDP///wgAAAAAAAAAAAAAAAAAAAAAAAAAAAAAAAAAAAAAZAAAAAEAAABAAAAAAAAAAAAAAAAAAAAAAAAAAAAAAAAAAAAAAAAAAAAAAAAAAAAAAAAAAAAAAAAAAAAAAAAAAAAAAAAAAAAAAAAAAAAAAAAAAAAAAAAAAAAAAAAAAAAAFAAAADwAAAAAAAAAAAAAAAAAAAAPAAAAAQAAACMAAAAjAAAAIwAAAB4AAAAAAAAAZAAAAGQAAAAAAAAAZAAAAGQAAAAVAAAAYAAAAAAAAAAAAAAADwAAACADAAAAAAAAAAAAAAEAAACgMgAAVgcAAKr4//8BAAAAf39/AAEAAABkAAAAAAAAABQAAABAHwAAAAAAACYAAAAAAAAAwOD//wAAAAAmAAAAZAAAABYAAABMAAAAAAAAAAAAAAAEAAAAAAAAAAEAAACAgIAKAAAAACgAAAAoAAAAZAAAAGQAAAAAAAAAzMzMAAAAAABQAAAAUAAAAGQAAABkAAAAAAAAABcAAAAUAAAAAAAAAAAAAAD/fwAA/38AAAAAAAAJAAAABAAAAF8AYAAeAAAAaAAAAAAAAAAAAAAAAAAAAAAAAAAAAAAAECcAABAnAAAAAAAAAAAAAAAAAAAAAAAAAAAAAAAAAAAAAAAAAAAAABQAAAAAAAAAwMD/AAAAAABkAAAAMgAAAAAAAABkAAAAAAAAAH9/fwAKAAAAIgAAABgAAAAAAAAAAAAAAAAAAAAAAAAAAAAAAAAAAAAkAAAAJAAAAAAAAAAHAAAAAAAAAAAAAAAAAAAAAAAAAAAAAAAAAAAAf39/ACUAAABYAAAAAAAAAAAAAAAAAAAAAAAAAAAAAAAAAAAAAAAAAAAAAAAAAAAAAAAAAAAAAAA/AAAAAAAAAKCGAQAAAAAAAAAAAAAAAAAMAAAAAQAAAAAAAAAAAAAAAAAAAB8AAABUAAAAu+DjBf///wEAAAAAAAAAAAAAAAAAAAAAAAAAAAAAAAAAAAAAAAAAAAAAAAB/f38AgICAA8zMzADAwP8Af39/AAAAAAAAAAAAAAAAAAAAAAAAAAAAIQAAABgAAAAUAAAA1gQAAEYbAABwJAAAESYAABAgAAAmAAAACAAAAP//////////"/>
+                <pr:smNativeData xmlns:pr="smNativeData" xmlns="smNativeData" val="SMDATA_15_D/RJaRMAAAAlAAAAZAAAAE0AAAAAkAAAAEgAAACQAAAASAAAAAAAAAAAAAAAAAAAAAEAAABQAAAAAAAAAAAA4D8AAAAAAADgPwAAAAAAAOA/AAAAAAAA4D8AAAAAAADgPwAAAAAAAOA/AAAAAAAA4D8AAAAAAADgPwAAAAAAAOA/AAAAAAAA4D8CAAAAjAAAAAAAAAAAAAAAu+DjDP///wgAAAAAAAAAAAAAAAAAAAAAAAAAAAAAAAAAAAAAZAAAAAEAAABAAAAAAAAAAAAAAAAAAAAAAAAAAAAAAAAAAAAAAAAAAAAAAAAAAAAAAAAAAAAAAAAAAAAAAAAAAAAAAAAAAAAAAAAAAAAAAAAAAAAAAAAAAAAAAAAAAAAAFAAAADwAAAAAAAAAAAAAAAAAAAAPAAAAAQAAACMAAAAjAAAAIwAAAB4AAAAAAAAAZAAAAGQAAAAAAAAAZAAAAGQAAAAVAAAAYAAAAAAAAAAAAAAADwAAACADAAAAAAAAAAAAAAEAAACgMgAAVgcAAKr4//8BAAAAf39/AAEAAABkAAAAAAAAABQAAABAHwAAAAAAACYAAAAAAAAAwOD//wAAAAAmAAAAZAAAABYAAABMAAAAAAAAAAAAAAAEAAAAAAAAAAEAAACAgIAKAAAAACgAAAAoAAAAZAAAAGQAAAAAAAAAzMzMAAAAAABQAAAAUAAAAGQAAABkAAAAAAAAABcAAAAUAAAAAAAAAAAAAAD/fwAA/38AAAAAAAAJAAAABAAAAF8AYAAeAAAAaAAAAAAAAAAAAAAAAAAAAAAAAAAAAAAAECcAABAnAAAAAAAAAAAAAAAAAAAAAAAAAAAAAAAAAAAAAAAAAAAAABQAAAAAAAAAwMD/AAAAAABkAAAAMgAAAAAAAABkAAAAAAAAAH9/fwAKAAAAIgAAABgAAAAAAAAAAAAAAAAAAAAAAAAAAAAAAAAAAAAkAAAAJAAAAAAAAAAHAAAAAAAAAAAAAAAAAAAAAAAAAAAAAAAAAAAAf39/ACUAAABYAAAAAAAAAAAAAAAAAAAAAAAAAAAAAAAAAAAAAAAAAAAAAAAAAAAAAAAAAAAAAAA/AAAAAAAAAKCGAQAAAAAAAAAAAAAAAAAMAAAAAQAAAAAAAAAAAAAAAAAAAB8AAABUAAAAu+DjBf///wEAAAAAAAAAAAAAAAAAAAAAAAAAAAAAAAAAAAAAAAAAAAAAAAB/f38AgICAA8zMzADAwP8Af39/AAAAAAAAAAAAAAAAAAAAAAAAAAAAIQAAABgAAAAUAAAA1gQAAEYbAABwJAAAESYAABAgAAAmAAAACAAAAP//////////"/>
               </a:ext>
             </a:extLst>
           </p:cNvSpPr>
@@ -5728,7 +5762,7 @@
             <a:spLocks noGrp="1" noChangeArrowheads="1"/>
             <a:extLst>
               <a:ext uri="smNativeData">
-                <pr:smNativeData xmlns:pr="smNativeData" xmlns="smNativeData" val="SMDATA_15_msZJaRMAAAAlAAAAZAAAAA0AAAAAkAAAAEgAAACQAAAASAAAAAAAAAABAAAAAAAAAAEAAABQAAAAAAAAAAAA4D8AAAAAAADgPwAAAAAAAOA/AAAAAAAA4D8AAAAAAADgPwAAAAAAAOA/AAAAAAAA4D8AAAAAAADgPwAAAAAAAOA/AAAAAAAA4D8CAAAAjAAAAAAAAAAAAAAAu+DjDP///wgAAAAAAAAAAAAAAAAAAAAAAAAAAAAAAAAAAAAAZAAAAAEAAABAAAAAAAAAAAAAAAAAAAAAAAAAAAAAAAAAAAAAAAAAAAAAAAAAAAAAAAAAAAAAAAAAAAAAAAAAAAAAAAAAAAAAAAAAAAAAAAAAAAAAAAAAAAAAAAAAAAAAFAAAADwAAAAAAAAAAAAAAAAAAAkUAAAAAQAAABQAAAAUAAAAFAAAAAEAAAAAAAAAZAAAAGQAAAAAAAAAZAAAAGQAAAAVAAAAYAAAAAAAAAAAAAAADwAAACADAAAAAAAAAAAAAAEAAACgMgAAVgcAAKr4//8BAAAAf39/AAEAAABkAAAAAAAAABQAAABAHwAAAAAAACYAAAAAAAAAwOD//wAAAAAmAAAAZAAAABYAAABMAAAAAAAAAAAAAAAEAAAAAAAAAAEAAACAgIAKAAAAACgAAAAoAAAAZAAAAGQAAAAAAAAAzMzMAAAAAABQAAAAUAAAAGQAAABkAAAAAAAAABcAAAAUAAAAAAAAAAAAAAD/fwAA/38AAAAAAAAJAAAABAAAAF8AYAAeAAAAaAAAAAAAAAAAAAAAAAAAAAAAAAAAAAAAECcAABAnAAAAAAAAAAAAAAAAAAAAAAAAAAAAAAAAAAAAAAAAAAAAABQAAAAAAAAAwMD/AAAAAABkAAAAMgAAAAAAAABkAAAAAAAAAH9/fwAKAAAAIgAAABgAAAAAAAAAAAAAAAAAAAAAAAAAAAAAAAAAAAAkAAAAJAAAAAAAAAAHAAAAAAAAAAAAAAAAAAAAAAAAAAAAAAAAAAAAf39/ACUAAABYAAAAAAAAAAAAAAAAAAAAAAAAAAAAAAAAAAAAAAAAAAAAAAAAAAAAAAAAAAAAAAA/AAAAAAAAAKCGAQAAAAAAAAAAAAAAAAAMAAAAAQAAAAAAAAAAAAAAAAAAAB8AAABUAAAAAAAABQAAAAEAAAAAAAAAAAAAAAAAAAAAAAAAAAAAAAAAAAAAAAAAAAAAAAJ/f38AAAAAA8zMzADAwP8Af39/AAAAAAAAAAAAAAAAAAAAAAAAAAAAIQAAABgAAAAUAAAAwAMAALABAABARwAAuAgAABAAAAAmAAAACAAAAAAAAAAAAAAA"/>
+                <pr:smNativeData xmlns:pr="smNativeData" xmlns="smNativeData" val="SMDATA_15_D/RJaRMAAAAlAAAAZAAAAA0AAAAAkAAAAEgAAACQAAAASAAAAAAAAAABAAAAAAAAAAEAAABQAAAAAAAAAAAA4D8AAAAAAADgPwAAAAAAAOA/AAAAAAAA4D8AAAAAAADgPwAAAAAAAOA/AAAAAAAA4D8AAAAAAADgPwAAAAAAAOA/AAAAAAAA4D8CAAAAjAAAAAAAAAAAAAAAu+DjDP///wgAAAAAAAAAAAAAAAAAAAAAAAAAAAAAAAAAAAAAZAAAAAEAAABAAAAAAAAAAAAAAAAAAAAAAAAAAAAAAAAAAAAAAAAAAAAAAAAAAAAAAAAAAAAAAAAAAAAAAAAAAAAAAAAAAAAAAAAAAAAAAAAAAAAAAAAAAAAAAAAAAAAAFAAAADwAAAAAAAAAAAAAAAAAAAkUAAAAAQAAABQAAAAUAAAAFAAAAAEAAAAAAAAAZAAAAGQAAAAAAAAAZAAAAGQAAAAVAAAAYAAAAAAAAAAAAAAADwAAACADAAAAAAAAAAAAAAEAAACgMgAAVgcAAKr4//8BAAAAf39/AAEAAABkAAAAAAAAABQAAABAHwAAAAAAACYAAAAAAAAAwOD//wAAAAAmAAAAZAAAABYAAABMAAAAAAAAAAAAAAAEAAAAAAAAAAEAAACAgIAKAAAAACgAAAAoAAAAZAAAAGQAAAAAAAAAzMzMAAAAAABQAAAAUAAAAGQAAABkAAAAAAAAABcAAAAUAAAAAAAAAAAAAAD/fwAA/38AAAAAAAAJAAAABAAAAF8AYAAeAAAAaAAAAAAAAAAAAAAAAAAAAAAAAAAAAAAAECcAABAnAAAAAAAAAAAAAAAAAAAAAAAAAAAAAAAAAAAAAAAAAAAAABQAAAAAAAAAwMD/AAAAAABkAAAAMgAAAAAAAABkAAAAAAAAAH9/fwAKAAAAIgAAABgAAAAAAAAAAAAAAAAAAAAAAAAAAAAAAAAAAAAkAAAAJAAAAAAAAAAHAAAAAAAAAAAAAAAAAAAAAAAAAAAAAAAAAAAAf39/ACUAAABYAAAAAAAAAAAAAAAAAAAAAAAAAAAAAAAAAAAAAAAAAAAAAAAAAAAAAAAAAAAAAAA/AAAAAAAAAKCGAQAAAAAAAAAAAAAAAAAMAAAAAQAAAAAAAAAAAAAAAAAAAB8AAABUAAAAAAAABQAAAAEAAAAAAAAAAAAAAAAAAAAAAAAAAAAAAAAAAAAAAAAAAAAAAAJ/f38AAAAAA8zMzADAwP8Af39/AAAAAAAAAAAAAAAAAAAAAAAAAAAAIQAAABgAAAAUAAAAwAMAALABAABARwAAuAgAABAAAAAmAAAACAAAAAAAAAAAAAAA"/>
               </a:ext>
             </a:extLst>
           </p:cNvSpPr>
@@ -5757,7 +5791,7 @@
             <a:spLocks noGrp="1" noChangeArrowheads="1"/>
             <a:extLst>
               <a:ext uri="smNativeData">
-                <pr:smNativeData xmlns:pr="smNativeData" xmlns="smNativeData" val="SMDATA_15_msZJaRMAAAAlAAAAZAAAAA0AAAAAkAAAAEgAAACQAAAASAAAAAAAAAAAAAAAAAAAAAEAAABQAAAAAAAAAAAA4D8AAAAAAADgPwAAAAAAAOA/AAAAAAAA4D8AAAAAAADgPwAAAAAAAOA/AAAAAAAA4D8AAAAAAADgPwAAAAAAAOA/AAAAAAAA4D8CAAAAjAAAAAAAAAAAAAAAu+DjDP///wgAAAAAAAAAAAAAAAAAAAAAAAAAAAAAAAAAAAAAZAAAAAEAAABAAAAAAAAAAAAAAAAAAAAAAAAAAAAAAAAAAAAAAAAAAAAAAAAAAAAAAAAAAAAAAAAAAAAAAAAAAAAAAAAAAAAAAAAAAAAAAAAAAAAAAAAAAAAAAAAAAAAAFAAAADwAAAAAAAAAAAAAAAAAAAkUAAAAAQAAABQAAAAUAAAAFAAAAAEAAAAAAAAAZAAAAGQAAAAAAAAAZAAAAGQAAAAVAAAAYAAAAAAAAAAAAAAADwAAACADAAAAAAAAAAAAAAEAAACgMgAAVgcAAKr4//8BAAAAf39/AAEAAABkAAAAAAAAABQAAABAHwAAAAAAACYAAAAAAAAAwOD//wAAAAAmAAAAZAAAABYAAABMAAAAAAAAAAAAAAAEAAAAAAAAAAEAAACAgIAKAAAAACgAAAAoAAAAZAAAAGQAAAAAAAAAzMzMAAAAAABQAAAAUAAAAGQAAABkAAAAAAAAABcAAAAUAAAAAAAAAAAAAAD/fwAA/38AAAAAAAAJAAAABAAAAF8AYAAeAAAAaAAAAAAAAAAAAAAAAAAAAAAAAAAAAAAAECcAABAnAAAAAAAAAAAAAAAAAAAAAAAAAAAAAAAAAAAAAAAAAAAAABQAAAAAAAAAwMD/AAAAAABkAAAAMgAAAAAAAABkAAAAAAAAAH9/fwAKAAAAIgAAABgAAAAAAAAAAAAAAAAAAAAAAAAAAAAAAAAAAAAkAAAAJAAAAAAAAAAHAAAAAAAAAAAAAAAAAAAAAAAAAAAAAAAAAAAAf39/ACUAAABYAAAAAAAAAAAAAAAAAAAAAAAAAAAAAAAAAAAAAAAAAAAAAAAAAAAAAAAAAAAAAAA/AAAAAAAAAKCGAQAAAAAAAAAAAAAAAAAMAAAAAQAAAAAAAAAAAAAAAAAAAB8AAABUAAAAAAAABQAAAAEAAAAAAAAAAAAAAAAAAAAAAAAAAAAAAAAAAAAAAAAAAAAAAAJ/f38AAAAAA8zMzADAwP8Af39/AAAAAAAAAAAAAAAAAAAAAAAAAAAAIQAAABgAAAAUAAAAwAMAANgJAABARwAAsCUAABAAAAAmAAAACAAAAAAAAAAAAAAA"/>
+                <pr:smNativeData xmlns:pr="smNativeData" xmlns="smNativeData" val="SMDATA_15_D/RJaRMAAAAlAAAAZAAAAA0AAAAAkAAAAEgAAACQAAAASAAAAAAAAAAAAAAAAAAAAAEAAABQAAAAAAAAAAAA4D8AAAAAAADgPwAAAAAAAOA/AAAAAAAA4D8AAAAAAADgPwAAAAAAAOA/AAAAAAAA4D8AAAAAAADgPwAAAAAAAOA/AAAAAAAA4D8CAAAAjAAAAAAAAAAAAAAAu+DjDP///wgAAAAAAAAAAAAAAAAAAAAAAAAAAAAAAAAAAAAAZAAAAAEAAABAAAAAAAAAAAAAAAAAAAAAAAAAAAAAAAAAAAAAAAAAAAAAAAAAAAAAAAAAAAAAAAAAAAAAAAAAAAAAAAAAAAAAAAAAAAAAAAAAAAAAAAAAAAAAAAAAAAAAFAAAADwAAAAAAAAAAAAAAAAAAAkUAAAAAQAAABQAAAAUAAAAFAAAAAEAAAAAAAAAZAAAAGQAAAAAAAAAZAAAAGQAAAAVAAAAYAAAAAAAAAAAAAAADwAAACADAAAAAAAAAAAAAAEAAACgMgAAVgcAAKr4//8BAAAAf39/AAEAAABkAAAAAAAAABQAAABAHwAAAAAAACYAAAAAAAAAwOD//wAAAAAmAAAAZAAAABYAAABMAAAAAAAAAAAAAAAEAAAAAAAAAAEAAACAgIAKAAAAACgAAAAoAAAAZAAAAGQAAAAAAAAAzMzMAAAAAABQAAAAUAAAAGQAAABkAAAAAAAAABcAAAAUAAAAAAAAAAAAAAD/fwAA/38AAAAAAAAJAAAABAAAAF8AYAAeAAAAaAAAAAAAAAAAAAAAAAAAAAAAAAAAAAAAECcAABAnAAAAAAAAAAAAAAAAAAAAAAAAAAAAAAAAAAAAAAAAAAAAABQAAAAAAAAAwMD/AAAAAABkAAAAMgAAAAAAAABkAAAAAAAAAH9/fwAKAAAAIgAAABgAAAAAAAAAAAAAAAAAAAAAAAAAAAAAAAAAAAAkAAAAJAAAAAAAAAAHAAAAAAAAAAAAAAAAAAAAAAAAAAAAAAAAAAAAf39/ACUAAABYAAAAAAAAAAAAAAAAAAAAAAAAAAAAAAAAAAAAAAAAAAAAAAAAAAAAAAAAAAAAAAA/AAAAAAAAAKCGAQAAAAAAAAAAAAAAAAAMAAAAAQAAAAAAAAAAAAAAAAAAAB8AAABUAAAAAAAABQAAAAEAAAAAAAAAAAAAAAAAAAAAAAAAAAAAAAAAAAAAAAAAAAAAAAJ/f38AAAAAA8zMzADAwP8Af39/AAAAAAAAAAAAAAAAAAAAAAAAAAAAIQAAABgAAAAUAAAAwAMAANgJAABARwAAsCUAABAAAAAmAAAACAAAAAAAAAAAAAAA"/>
               </a:ext>
             </a:extLst>
           </p:cNvSpPr>
@@ -5796,7 +5830,7 @@
             <a:spLocks noGrp="1" noChangeArrowheads="1"/>
             <a:extLst>
               <a:ext uri="smNativeData">
-                <pr:smNativeData xmlns:pr="smNativeData" xmlns="smNativeData" val="SMDATA_15_msZJaRMAAAAlAAAAZAAAAA0AAAAAkAAAAEgAAACQAAAASAAAAAAAAAABAAAAAAAAAAEAAABQAAAAAAAAAAAA4D8AAAAAAADgPwAAAAAAAOA/AAAAAAAA4D8AAAAAAADgPwAAAAAAAOA/AAAAAAAA4D8AAAAAAADgPwAAAAAAAOA/AAAAAAAA4D8CAAAAjAAAAAAAAAAAAAAAu+DjDP///wgAAAAAAAAAAAAAAAAAAAAAAAAAAAAAAAAAAAAAZAAAAAEAAABAAAAAAAAAAAAAAAAAAAAAAAAAAAAAAAAAAAAAAAAAAAAAAAAAAAAAAAAAAAAAAAAAAAAAAAAAAAAAAAAAAAAAAAAAAAAAAAAAAAAAAAAAAAAAAAAAAAAAFAAAADwAAAAAAAAAAAAAAAAAAAkUAAAAAQAAABQAAAAUAAAAFAAAAAEAAAAAAAAAZAAAAGQAAAAAAAAAZAAAAGQAAAAVAAAAYAAAAAAAAAAAAAAADwAAACADAAAAAAAAAAAAAAEAAACgMgAAVgcAAKr4//8BAAAAf39/AAEAAABkAAAAAAAAABQAAABAHwAAAAAAACYAAAAAAAAAwOD//wAAAAAmAAAAZAAAABYAAABMAAAAAAAAAAAAAAAEAAAAAAAAAAEAAACAgIAKAAAAACgAAAAoAAAAZAAAAGQAAAAAAAAAzMzMAAAAAABQAAAAUAAAAGQAAABkAAAAAAAAABcAAAAUAAAAAAAAAAAAAAD/fwAA/38AAAAAAAAJAAAABAAAAAAAAAAeAAAAaAAAAAAAAAAAAAAAAAAAAAAAAAAAAAAAECcAABAnAAAAAAAAAAAAAAAAAAAAAAAAAAAAAAAAAAAAAAAAAAAAABQAAAAAAAAAwMD/AAAAAABkAAAAMgAAAAAAAABkAAAAAAAAAH9/fwAKAAAAIgAAABgAAAAAAAAAAAAAAAAAAAAAAAAAAAAAAAAAAAAkAAAAJAAAAAAAAAAHAAAAAAAAAAAAAAAAAAAAAAAAAAAAAAAAAAAAf39/ACUAAABYAAAAAAAAAAAAAAAAAAAAAAAAAAAAAAAAAAAAAAAAAAAAAAAAAAAAAAAAAAAAAAA/AAAAAAAAAKCGAQAAAAAAAAAAAAAAAAAMAAAAAQAAAAAAAAAAAAAAAAAAAB8AAABUAAAAAAAABQAAAAEAAAAAAAAAAAAAAAAAAAAAAAAAAAAAAAAAAAAAAAAAAAAAAAJ/f38AAAAAA8zMzADAwP8Af39/AAAAAAAAAAAAAAAAAAAAAAAAAAAAIQAAABgAAAAUAAAAwAMAABsnAAA/FQAAWSkAABAAAAAmAAAACAAAAAAAAAAAAAAA"/>
+                <pr:smNativeData xmlns:pr="smNativeData" xmlns="smNativeData" val="SMDATA_15_D/RJaRMAAAAlAAAAZAAAAA0AAAAAkAAAAEgAAACQAAAASAAAAAAAAAABAAAAAAAAAAEAAABQAAAAAAAAAAAA4D8AAAAAAADgPwAAAAAAAOA/AAAAAAAA4D8AAAAAAADgPwAAAAAAAOA/AAAAAAAA4D8AAAAAAADgPwAAAAAAAOA/AAAAAAAA4D8CAAAAjAAAAAAAAAAAAAAAu+DjDP///wgAAAAAAAAAAAAAAAAAAAAAAAAAAAAAAAAAAAAAZAAAAAEAAABAAAAAAAAAAAAAAAAAAAAAAAAAAAAAAAAAAAAAAAAAAAAAAAAAAAAAAAAAAAAAAAAAAAAAAAAAAAAAAAAAAAAAAAAAAAAAAAAAAAAAAAAAAAAAAAAAAAAAFAAAADwAAAAAAAAAAAAAAAAAAAkUAAAAAQAAABQAAAAUAAAAFAAAAAEAAAAAAAAAZAAAAGQAAAAAAAAAZAAAAGQAAAAVAAAAYAAAAAAAAAAAAAAADwAAACADAAAAAAAAAAAAAAEAAACgMgAAVgcAAKr4//8BAAAAf39/AAEAAABkAAAAAAAAABQAAABAHwAAAAAAACYAAAAAAAAAwOD//wAAAAAmAAAAZAAAABYAAABMAAAAAAAAAAAAAAAEAAAAAAAAAAEAAACAgIAKAAAAACgAAAAoAAAAZAAAAGQAAAAAAAAAzMzMAAAAAABQAAAAUAAAAGQAAABkAAAAAAAAABcAAAAUAAAAAAAAAAAAAAD/fwAA/38AAAAAAAAJAAAABAAAAAAAAAAeAAAAaAAAAAAAAAAAAAAAAAAAAAAAAAAAAAAAECcAABAnAAAAAAAAAAAAAAAAAAAAAAAAAAAAAAAAAAAAAAAAAAAAABQAAAAAAAAAwMD/AAAAAABkAAAAMgAAAAAAAABkAAAAAAAAAH9/fwAKAAAAIgAAABgAAAAAAAAAAAAAAAAAAAAAAAAAAAAAAAAAAAAkAAAAJAAAAAAAAAAHAAAAAAAAAAAAAAAAAAAAAAAAAAAAAAAAAAAAf39/ACUAAABYAAAAAAAAAAAAAAAAAAAAAAAAAAAAAAAAAAAAAAAAAAAAAAAAAAAAAAAAAAAAAAA/AAAAAAAAAKCGAQAAAAAAAAAAAAAAAAAMAAAAAQAAAAAAAAAAAAAAAAAAAB8AAABUAAAAAAAABQAAAAEAAAAAAAAAAAAAAAAAAAAAAAAAAAAAAAAAAAAAAAAAAAAAAAJ/f38AAAAAA8zMzADAwP8Af39/AAAAAAAAAAAAAAAAAAAAAAAAAAAAIQAAABgAAAAUAAAAwAMAABsnAAA/FQAAWSkAABAAAAAmAAAACAAAAAAAAAAAAAAA"/>
               </a:ext>
             </a:extLst>
           </p:cNvSpPr>
@@ -5810,7 +5844,7 @@
           <a:lstStyle/>
           <a:p>
             <a:pPr/>
-            <a:fld id="{0DCF6F62-2CE0-9A99-AE77-DACC2139588F}" type="datetime1">
+            <a:fld id="{0C3DF938-76E1-680F-AF85-805AB7CB59D5}" type="datetime1">
               <a:rPr lang="en-us" cap="none"/>
               <a:t>12/22/2025</a:t>
             </a:fld>
@@ -5825,7 +5859,7 @@
             <a:spLocks noGrp="1" noChangeArrowheads="1"/>
             <a:extLst>
               <a:ext uri="smNativeData">
-                <pr:smNativeData xmlns:pr="smNativeData" xmlns="smNativeData" val="SMDATA_15_msZJaRMAAAAlAAAAZAAAAA0AAAAAkAAAAEgAAACQAAAASAAAAAAAAAABAAAAAAAAAAEAAABQAAAAAAAAAAAA4D8AAAAAAADgPwAAAAAAAOA/AAAAAAAA4D8AAAAAAADgPwAAAAAAAOA/AAAAAAAA4D8AAAAAAADgPwAAAAAAAOA/AAAAAAAA4D8CAAAAjAAAAAAAAAAAAAAAu+DjDP///wgAAAAAAAAAAAAAAAAAAAAAAAAAAAAAAAAAAAAAZAAAAAEAAABAAAAAAAAAAAAAAAAAAAAAAAAAAAAAAAAAAAAAAAAAAAAAAAAAAAAAAAAAAAAAAAAAAAAAAAAAAAAAAAAAAAAAAAAAAAAAAAAAAAAAAAAAAAAAAAAAAAAAFAAAADwAAAAAAAAAAAAAAAAAAAkUAAAAAQAAABQAAAAUAAAAFAAAAAEAAAAAAAAAZAAAAGQAAAAAAAAAZAAAAGQAAAAVAAAAYAAAAAAAAAAAAAAADwAAACADAAAAAAAAAAAAAAEAAACgMgAAVgcAAKr4//8BAAAAf39/AAEAAABkAAAAAAAAABQAAABAHwAAAAAAACYAAAAAAAAAwOD//wAAAAAmAAAAZAAAABYAAABMAAAAAAAAAAAAAAAEAAAAAAAAAAEAAACAgIAKAAAAACgAAAAoAAAAZAAAAGQAAAAAAAAAzMzMAAAAAABQAAAAUAAAAGQAAABkAAAAAAAAABcAAAAUAAAAAAAAAAAAAAD/fwAA/38AAAAAAAAJAAAABAAAAAAAAAAeAAAAaAAAAAAAAAAAAAAAAAAAAAAAAAAAAAAAECcAABAnAAAAAAAAAAAAAAAAAAAAAAAAAAAAAAAAAAAAAAAAAAAAABQAAAAAAAAAwMD/AAAAAABkAAAAMgAAAAAAAABkAAAAAAAAAH9/fwAKAAAAIgAAABgAAAAAAAAAAAAAAAAAAAAAAAAAAAAAAAAAAAAkAAAAJAAAAAAAAAAHAAAAAAAAAAAAAAAAAAAAAAAAAAAAAAAAAAAAf39/ACUAAABYAAAAAAAAAAAAAAAAAAAAAAAAAAAAAAAAAAAAAAAAAAAAAAAAAAAAAAAAAAAAAAA/AAAAAAAAAKCGAQAAAAAAAAAAAAAAAAAMAAAAAQAAAAAAAAAAAAAAAAAAAB8AAABUAAAAAAAABQAAAAEAAAAAAAAAAAAAAAAAAAAAAAAAAAAAAAAAAAAAAAAAAAAAAAJ/f38AAAAAA8zMzADAwP8Af39/AAAAAAAAAAAAAAAAAAAAAAAAAAAAIQAAABgAAAAUAAAAwTUAABsnAABARwAAWSkAABAAAAAmAAAACAAAAAAAAAAAAAAA"/>
+                <pr:smNativeData xmlns:pr="smNativeData" xmlns="smNativeData" val="SMDATA_15_D/RJaRMAAAAlAAAAZAAAAA0AAAAAkAAAAEgAAACQAAAASAAAAAAAAAABAAAAAAAAAAEAAABQAAAAAAAAAAAA4D8AAAAAAADgPwAAAAAAAOA/AAAAAAAA4D8AAAAAAADgPwAAAAAAAOA/AAAAAAAA4D8AAAAAAADgPwAAAAAAAOA/AAAAAAAA4D8CAAAAjAAAAAAAAAAAAAAAu+DjDP///wgAAAAAAAAAAAAAAAAAAAAAAAAAAAAAAAAAAAAAZAAAAAEAAABAAAAAAAAAAAAAAAAAAAAAAAAAAAAAAAAAAAAAAAAAAAAAAAAAAAAAAAAAAAAAAAAAAAAAAAAAAAAAAAAAAAAAAAAAAAAAAAAAAAAAAAAAAAAAAAAAAAAAFAAAADwAAAAAAAAAAAAAAAAAAAkUAAAAAQAAABQAAAAUAAAAFAAAAAEAAAAAAAAAZAAAAGQAAAAAAAAAZAAAAGQAAAAVAAAAYAAAAAAAAAAAAAAADwAAACADAAAAAAAAAAAAAAEAAACgMgAAVgcAAKr4//8BAAAAf39/AAEAAABkAAAAAAAAABQAAABAHwAAAAAAACYAAAAAAAAAwOD//wAAAAAmAAAAZAAAABYAAABMAAAAAAAAAAAAAAAEAAAAAAAAAAEAAACAgIAKAAAAACgAAAAoAAAAZAAAAGQAAAAAAAAAzMzMAAAAAABQAAAAUAAAAGQAAABkAAAAAAAAABcAAAAUAAAAAAAAAAAAAAD/fwAA/38AAAAAAAAJAAAABAAAAAAAAAAeAAAAaAAAAAAAAAAAAAAAAAAAAAAAAAAAAAAAECcAABAnAAAAAAAAAAAAAAAAAAAAAAAAAAAAAAAAAAAAAAAAAAAAABQAAAAAAAAAwMD/AAAAAABkAAAAMgAAAAAAAABkAAAAAAAAAH9/fwAKAAAAIgAAABgAAAAAAAAAAAAAAAAAAAAAAAAAAAAAAAAAAAAkAAAAJAAAAAAAAAAHAAAAAAAAAAAAAAAAAAAAAAAAAAAAAAAAAAAAf39/ACUAAABYAAAAAAAAAAAAAAAAAAAAAAAAAAAAAAAAAAAAAAAAAAAAAAAAAAAAAAAAAAAAAAA/AAAAAAAAAKCGAQAAAAAAAAAAAAAAAAAMAAAAAQAAAAAAAAAAAAAAAAAAAB8AAABUAAAAAAAABQAAAAEAAAAAAAAAAAAAAAAAAAAAAAAAAAAAAAAAAAAAAAAAAAAAAAJ/f38AAAAAA8zMzADAwP8Af39/AAAAAAAAAAAAAAAAAAAAAAAAAAAAIQAAABgAAAAUAAAAwTUAABsnAABARwAAWSkAABAAAAAmAAAACAAAAAAAAAAAAAAA"/>
               </a:ext>
             </a:extLst>
           </p:cNvSpPr>
@@ -5839,7 +5873,7 @@
           <a:lstStyle/>
           <a:p>
             <a:pPr/>
-            <a:fld id="{0DCF520C-42E0-9AA4-AE77-B4F11C3958E1}" type="slidenum">
+            <a:fld id="{0C3DB253-1DE1-6844-AF85-EB11FCCB59BE}" type="slidenum">
               <a:rPr lang="en-us" cap="none"/>
               <a:t>9</a:t>
             </a:fld>
@@ -6892,6 +6926,47 @@
       </a:clrScheme>
       <a:clrMap bg1="lt1" tx1="dk1" bg2="lt2" tx2="dk2" accent1="accent1" accent2="accent2" accent3="accent3" accent4="accent4" accent5="accent5" accent6="accent6" hlink="hlink" folHlink="folHlink"/>
     </a:extraClrScheme>
+    <a:extraClrScheme>
+      <a:clrScheme name="Presentation 20">
+        <a:dk1>
+          <a:srgbClr val="000000"/>
+        </a:dk1>
+        <a:lt1>
+          <a:srgbClr val="FFFFFF"/>
+        </a:lt1>
+        <a:dk2>
+          <a:srgbClr val="000000"/>
+        </a:dk2>
+        <a:lt2>
+          <a:srgbClr val="808080"/>
+        </a:lt2>
+        <a:accent1>
+          <a:srgbClr val="BBE0E3"/>
+        </a:accent1>
+        <a:accent2>
+          <a:srgbClr val="333399"/>
+        </a:accent2>
+        <a:accent3>
+          <a:srgbClr val="535379"/>
+        </a:accent3>
+        <a:accent4>
+          <a:srgbClr val="737359"/>
+        </a:accent4>
+        <a:accent5>
+          <a:srgbClr val="939339"/>
+        </a:accent5>
+        <a:accent6>
+          <a:srgbClr val="B3B319"/>
+        </a:accent6>
+        <a:hlink>
+          <a:srgbClr val="009999"/>
+        </a:hlink>
+        <a:folHlink>
+          <a:srgbClr val="99CC00"/>
+        </a:folHlink>
+      </a:clrScheme>
+      <a:clrMap bg1="lt1" tx1="dk1" bg2="lt2" tx2="dk2" accent1="accent1" accent2="accent2" accent3="accent3" accent4="accent4" accent5="accent5" accent6="accent6" hlink="hlink" folHlink="folHlink"/>
+    </a:extraClrScheme>
   </a:extraClrSchemeLst>
 </a:theme>
 </file>
--- a/AI/AI PyTorch.pptx
+++ b/AI/AI PyTorch.pptx
@@ -7,18 +7,19 @@
   <p:sldIdLst>
     <p:sldId id="256" r:id="rId6"/>
     <p:sldId id="259" r:id="rId7"/>
-    <p:sldId id="261" r:id="rId8"/>
-    <p:sldId id="260" r:id="rId9"/>
-    <p:sldId id="258" r:id="rId10"/>
-    <p:sldId id="262" r:id="rId11"/>
-    <p:sldId id="263" r:id="rId12"/>
-    <p:sldId id="264" r:id="rId13"/>
-    <p:sldId id="265" r:id="rId14"/>
-    <p:sldId id="266" r:id="rId15"/>
-    <p:sldId id="267" r:id="rId16"/>
-    <p:sldId id="268" r:id="rId17"/>
-    <p:sldId id="269" r:id="rId18"/>
-    <p:sldId id="270" r:id="rId19"/>
+    <p:sldId id="271" r:id="rId8"/>
+    <p:sldId id="261" r:id="rId9"/>
+    <p:sldId id="260" r:id="rId10"/>
+    <p:sldId id="258" r:id="rId11"/>
+    <p:sldId id="262" r:id="rId12"/>
+    <p:sldId id="263" r:id="rId13"/>
+    <p:sldId id="264" r:id="rId14"/>
+    <p:sldId id="265" r:id="rId15"/>
+    <p:sldId id="266" r:id="rId16"/>
+    <p:sldId id="267" r:id="rId17"/>
+    <p:sldId id="268" r:id="rId18"/>
+    <p:sldId id="269" r:id="rId19"/>
+    <p:sldId id="270" r:id="rId20"/>
   </p:sldIdLst>
   <p:sldSz cx="12192000" cy="6858000"/>
   <p:notesSz cx="6858000" cy="12192000"/>
@@ -249,7 +250,7 @@
             <a:spLocks noGrp="1" noChangeArrowheads="1"/>
             <a:extLst>
               <a:ext uri="smNativeData">
-                <pr:smNativeData xmlns:pr="smNativeData" xmlns="smNativeData" val="SMDATA_15_D/RJaRMAAAAlAAAAZAAAAA0AAAAAkAAAAEgAAACQAAAASAAAAAAAAAABAAAAAAAAAAEAAABQAAAAAAAAAAAA4D8AAAAAAADgPwAAAAAAAOA/AAAAAAAA4D8AAAAAAADgPwAAAAAAAOA/AAAAAAAA4D8AAAAAAADgPwAAAAAAAOA/AAAAAAAA4D8CAAAAjAAAAAAAAAAAAAAAu+DjDP///wgAAAAAAAAAAAAAAAAAAAAAAAAAAAAAAAAAAAAAZAAAAAEAAABAAAAAAAAAAAAAAAAAAAAAAAAAAAAAAAAAAAAAAAAAAAAAAAAAAAAAAAAAAAAAAAAAAAAAAAAAAAAAAAAAAAAAAAAAAAAAAAAAAAAAAAAAAAAAAAAAAAAAFAAAADwAAAAAAAAAAAAAAAAAAAkUAAAAAQAAABQAAAAUAAAAFAAAAAEAAAAAAAAAZAAAAGQAAAAAAAAAZAAAAGQAAAAVAAAAYAAAAAAAAAAAAAAADwAAACADAAAAAAAAAAAAAAEAAACgMgAAVgcAAKr4//8BAAAAf39/AAEAAABkAAAAAAAAABQAAABAHwAAAAAAACYAAAAAAAAAwOD//wAAAAAmAAAAZAAAABYAAABMAAAAAAAAAAAAAAAEAAAAAAAAAAEAAACAgIAKAAAAACgAAAAoAAAAZAAAAGQAAAAAAAAAzMzMAAAAAABQAAAAUAAAAGQAAABkAAAAAAAAABcAAAAUAAAAAAAAAAAAAAD/fwAA/38AAAAAAAAJAAAABAAAABxYQAweAAAAaAAAAAAAAAAAAAAAAAAAAAAAAAAAAAAAECcAABAnAAAAAAAAAAAAAAAAAAAAAAAAAAAAAAAAAAAAAAAAAAAAABQAAAAAAAAAwMD/AAAAAABkAAAAMgAAAAAAAABkAAAAAAAAAH9/fwAKAAAAIgAAABgAAAAAAAAAAAAAAAAAAAAAAAAAAAAAAAAAAAAkAAAAJAAAAAAAAAAHAAAAAAAAAAAAAAAAAAAAAAAAAAAAAAAAAAAAf39/ACUAAABYAAAAAAAAAAAAAAAAAAAAAAAAAAAAAAAAAAAAAAAAAAAAAAAAAAAAAAAAAAAAAAA/AAAAAAAAAKCGAQAAAAAAAAAAAAAAAAAMAAAAAQAAAAAAAAAAAAAAAAAAAB8AAABUAAAAAAAABQAAAAEAAAAAAAAAAAAAAAAAAAAAAAAAAAAAAAAAAAAAAAAAAAAAAAJ/f38AAAAAA8zMzADAwP8Af39/AAAAAAAAAAAAAAAAAAAAAAAAAAAAIQAAABgAAAAUAAAAoAUAABoNAABgRQAAJhYAABAAAAAmAAAACAAAAAEAAAAAAAAA"/>
+                <pr:smNativeData xmlns:pr="smNativeData" xmlns="smNativeData" val="SMDATA_15_PhJKaRMAAAAlAAAAZAAAAA0AAAAAkAAAAEgAAACQAAAASAAAAAAAAAABAAAAAAAAAAEAAABQAAAAAAAAAAAA4D8AAAAAAADgPwAAAAAAAOA/AAAAAAAA4D8AAAAAAADgPwAAAAAAAOA/AAAAAAAA4D8AAAAAAADgPwAAAAAAAOA/AAAAAAAA4D8CAAAAjAAAAAAAAAAAAAAAu+DjDP///wgAAAAAAAAAAAAAAAAAAAAAAAAAAAAAAAAAAAAAZAAAAAEAAABAAAAAAAAAAAAAAAAAAAAAAAAAAAAAAAAAAAAAAAAAAAAAAAAAAAAAAAAAAAAAAAAAAAAAAAAAAAAAAAAAAAAAAAAAAAAAAAAAAAAAAAAAAAAAAAAAAAAAFAAAADwAAAAAAAAAAAAAAAAAAAkUAAAAAQAAABQAAAAUAAAAFAAAAAEAAAAAAAAAZAAAAGQAAAAAAAAAZAAAAGQAAAAVAAAAYAAAAAAAAAAAAAAADwAAACADAAAAAAAAAAAAAAEAAACgMgAAVgcAAKr4//8BAAAAf39/AAEAAABkAAAAAAAAABQAAABAHwAAAAAAACYAAAAAAAAAwOD//wAAAAAmAAAAZAAAABYAAABMAAAAAAAAAAAAAAAEAAAAAAAAAAEAAACAgIAKAAAAACgAAAAoAAAAZAAAAGQAAAAAAAAAzMzMAAAAAABQAAAAUAAAAGQAAABkAAAAAAAAABcAAAAUAAAAAAAAAAAAAAD/fwAA/38AAAAAAAAJAAAABAAAABxYQAweAAAAaAAAAAAAAAAAAAAAAAAAAAAAAAAAAAAAECcAABAnAAAAAAAAAAAAAAAAAAAAAAAAAAAAAAAAAAAAAAAAAAAAABQAAAAAAAAAwMD/AAAAAABkAAAAMgAAAAAAAABkAAAAAAAAAH9/fwAKAAAAIgAAABgAAAAAAAAAAAAAAAAAAAAAAAAAAAAAAAAAAAAkAAAAJAAAAAAAAAAHAAAAAAAAAAAAAAAAAAAAAAAAAAAAAAAAAAAAf39/ACUAAABYAAAAAAAAAAAAAAAAAAAAAAAAAAAAAAAAAAAAAAAAAAAAAAAAAAAAAAAAAAAAAAA/AAAAAAAAAKCGAQAAAAAAAAAAAAAAAAAMAAAAAQAAAAAAAAAAAAAAAAAAAB8AAABUAAAAAAAABQAAAAEAAAAAAAAAAAAAAAAAAAAAAAAAAAAAAAAAAAAAAAAAAAAAAAJ/f38AAAAAA8zMzADAwP8Af39/AAAAAAAAAAAAAAAAAAAAAAAAAAAAIQAAABgAAAAUAAAAoAUAABoNAABgRQAAJhYAABAAAAAmAAAACAAAAAEAAAAAAAAA"/>
               </a:ext>
             </a:extLst>
           </p:cNvSpPr>
@@ -281,7 +282,7 @@
             <a:spLocks noGrp="1" noChangeArrowheads="1"/>
             <a:extLst>
               <a:ext uri="smNativeData">
-                <pr:smNativeData xmlns:pr="smNativeData" xmlns="smNativeData" val="SMDATA_15_D/RJaRMAAAAlAAAAZAAAAA0AAAAAkAAAAEgAAACQAAAASAAAAAAAAAAAAAAAAAAAAAEAAABQAAAAAAAAAAAA4D8AAAAAAADgPwAAAAAAAOA/AAAAAAAA4D8AAAAAAADgPwAAAAAAAOA/AAAAAAAA4D8AAAAAAADgPwAAAAAAAOA/AAAAAAAA4D8CAAAAjAAAAAAAAAAAAAAAu+DjDP///wgAAAAAAAAAAAAAAAAAAAAAAAAAAAAAAAAAAAAAZAAAAAEAAABAAAAAAAAAAAAAAAAAAAAAAAAAAAAAAAAAAAAAAAAAAAAAAAAAAAAAAAAAAAAAAAAAAAAAAAAAAAAAAAAAAAAAAAAAAAAAAAAAAAAAAAAAAAAAAAAAAAAAFAAAADwAAAAAAAAAAAAAAAAAAAkUAAAAAQAAABQAAAAUAAAAFAAAAAEAAAAAAAAAZAAAAGQAAAAAAAAAZAAAAGQAAAAVAAAAYAAAAAAAAAAAAAAADwAAACADAAAAAAAAAAAAAAEAAACgMgAAVgcAAKr4//8BAAAAf39/AAEAAABkAAAAAAAAABQAAABAHwAAAAAAACYAAAAAAAAAwOD//wAAAAAmAAAAZAAAABYAAABMAAAAAAAAAAAAAAAEAAAAAAAAAAEAAACAgIAKAAAAACgAAAAoAAAAZAAAAGQAAAAAAAAAzMzMAAAAAABQAAAAUAAAAGQAAABkAAAAAAAAABcAAAAUAAAAAAAAAAAAAAD/fwAA/38AAAAAAAAJAAAABAAAAF8AYAAeAAAAaAAAAAAAAAAAAAAAAAAAAAAAAAAAAAAAECcAABAnAAAAAAAAAAAAAAAAAAAAAAAAAAAAAAAAAAAAAAAAAAAAABQAAAAAAAAAwMD/AAAAAABkAAAAMgAAAAAAAABkAAAAAAAAAH9/fwAKAAAAIgAAABgAAAAAAAAAAAAAAAAAAAAAAAAAAAAAAAAAAAAkAAAAJAAAAAAAAAAHAAAAAAAAAAAAAAAAAAAAAAAAAAAAAAAAAAAAf39/ACUAAABYAAAAAAAAAAAAAAAAAAAAAAAAAAAAAAAAAAAAAAAAAAAAAAAAAAAAAAAAAAAAAAA/AAAAAAAAAKCGAQAAAAAAAAAAAAAAAAAMAAAAAQAAAAAAAAAAAAAAAAAAAB8AAABUAAAAAAAABQAAAAEAAAAAAAAAAAAAAAAAAAAAAAAAAAAAAAAAAAAAAAAAAAAAAAJ/f38AAAAAA8zMzADAwP8Af39/AAAAAAAAAAAAAAAAAAAAAAAAAAAAIQAAABgAAAAUAAAAQAsAAOgXAADAPwAAsCIAABAAAAAmAAAACAAAAAGAAAAAAAAA"/>
+                <pr:smNativeData xmlns:pr="smNativeData" xmlns="smNativeData" val="SMDATA_15_PhJKaRMAAAAlAAAAZAAAAA0AAAAAkAAAAEgAAACQAAAASAAAAAAAAAAAAAAAAAAAAAEAAABQAAAAAAAAAAAA4D8AAAAAAADgPwAAAAAAAOA/AAAAAAAA4D8AAAAAAADgPwAAAAAAAOA/AAAAAAAA4D8AAAAAAADgPwAAAAAAAOA/AAAAAAAA4D8CAAAAjAAAAAAAAAAAAAAAu+DjDP///wgAAAAAAAAAAAAAAAAAAAAAAAAAAAAAAAAAAAAAZAAAAAEAAABAAAAAAAAAAAAAAAAAAAAAAAAAAAAAAAAAAAAAAAAAAAAAAAAAAAAAAAAAAAAAAAAAAAAAAAAAAAAAAAAAAAAAAAAAAAAAAAAAAAAAAAAAAAAAAAAAAAAAFAAAADwAAAAAAAAAAAAAAAAAAAkUAAAAAQAAABQAAAAUAAAAFAAAAAEAAAAAAAAAZAAAAGQAAAAAAAAAZAAAAGQAAAAVAAAAYAAAAAAAAAAAAAAADwAAACADAAAAAAAAAAAAAAEAAACgMgAAVgcAAKr4//8BAAAAf39/AAEAAABkAAAAAAAAABQAAABAHwAAAAAAACYAAAAAAAAAwOD//wAAAAAmAAAAZAAAABYAAABMAAAAAAAAAAAAAAAEAAAAAAAAAAEAAACAgIAKAAAAACgAAAAoAAAAZAAAAGQAAAAAAAAAzMzMAAAAAABQAAAAUAAAAGQAAABkAAAAAAAAABcAAAAUAAAAAAAAAAAAAAD/fwAA/38AAAAAAAAJAAAABAAAAF8AYAAeAAAAaAAAAAAAAAAAAAAAAAAAAAAAAAAAAAAAECcAABAnAAAAAAAAAAAAAAAAAAAAAAAAAAAAAAAAAAAAAAAAAAAAABQAAAAAAAAAwMD/AAAAAABkAAAAMgAAAAAAAABkAAAAAAAAAH9/fwAKAAAAIgAAABgAAAAAAAAAAAAAAAAAAAAAAAAAAAAAAAAAAAAkAAAAJAAAAAAAAAAHAAAAAAAAAAAAAAAAAAAAAAAAAAAAAAAAAAAAf39/ACUAAABYAAAAAAAAAAAAAAAAAAAAAAAAAAAAAAAAAAAAAAAAAAAAAAAAAAAAAAAAAAAAAAA/AAAAAAAAAKCGAQAAAAAAAAAAAAAAAAAMAAAAAQAAAAAAAAAAAAAAAAAAAB8AAABUAAAAAAAABQAAAAEAAAAAAAAAAAAAAAAAAAAAAAAAAAAAAAAAAAAAAAAAAAAAAAJ/f38AAAAAA8zMzADAwP8Af39/AAAAAAAAAAAAAAAAAAAAAAAAAAAAIQAAABgAAAAUAAAAQAsAAOgXAADAPwAAsCIAABAAAAAmAAAACAAAAAGAAAAAAAAA"/>
               </a:ext>
             </a:extLst>
           </p:cNvSpPr>
@@ -341,7 +342,7 @@
             <a:spLocks noGrp="1" noChangeArrowheads="1"/>
             <a:extLst>
               <a:ext uri="smNativeData">
-                <pr:smNativeData xmlns:pr="smNativeData" xmlns="smNativeData" val="SMDATA_15_D/RJaRMAAAAlAAAAZAAAAA0AAAAAkAAAAEgAAACQAAAASAAAAAAAAAABAAAAAAAAAAEAAABQAAAAAAAAAAAA4D8AAAAAAADgPwAAAAAAAOA/AAAAAAAA4D8AAAAAAADgPwAAAAAAAOA/AAAAAAAA4D8AAAAAAADgPwAAAAAAAOA/AAAAAAAA4D8CAAAAjAAAAAAAAAAAAAAAu+DjDP///wgAAAAAAAAAAAAAAAAAAAAAAAAAAAAAAAAAAAAAZAAAAAEAAABAAAAAAAAAAAAAAAAAAAAAAAAAAAAAAAAAAAAAAAAAAAAAAAAAAAAAAAAAAAAAAAAAAAAAAAAAAAAAAAAAAAAAAAAAAAAAAAAAAAAAAAAAAAAAAAAAAAAAFAAAADwAAAAAAAAAAAAAAAAAAAkUAAAAAQAAABQAAAAUAAAAFAAAAAEAAAAAAAAAZAAAAGQAAAAAAAAAZAAAAGQAAAAVAAAAYAAAAAAAAAAAAAAADwAAACADAAAAAAAAAAAAAAEAAACgMgAAVgcAAKr4//8BAAAAf39/AAEAAABkAAAAAAAAABQAAABAHwAAAAAAACYAAAAAAAAAwOD//wAAAAAmAAAAZAAAABYAAABMAAAAAAAAAAAAAAAEAAAAAAAAAAEAAACAgIAKAAAAACgAAAAoAAAAZAAAAGQAAAAAAAAAzMzMAAAAAABQAAAAUAAAAGQAAABkAAAAAAAAABcAAAAUAAAAAAAAAAAAAAD/fwAA/38AAAAAAAAJAAAABAAAACyUxw4eAAAAaAAAAAAAAAAAAAAAAAAAAAAAAAAAAAAAECcAABAnAAAAAAAAAAAAAAAAAAAAAAAAAAAAAAAAAAAAAAAAAAAAABQAAAAAAAAAwMD/AAAAAABkAAAAMgAAAAAAAABkAAAAAAAAAH9/fwAKAAAAIgAAABgAAAAAAAAAAAAAAAAAAAAAAAAAAAAAAAAAAAAkAAAAJAAAAAAAAAAHAAAAAAAAAAAAAAAAAAAAAAAAAAAAAAAAAAAAf39/ACUAAABYAAAAAAAAAAAAAAAAAAAAAAAAAAAAAAAAAAAAAAAAAAAAAAAAAAAAAAAAAAAAAAA/AAAAAAAAAKCGAQAAAAAAAAAAAAAAAAAMAAAAAQAAAAAAAAAAAAAAAAAAAB8AAABUAAAAAAAABQAAAAEAAAAAAAAAAAAAAAAAAAAAAAAAAAAAAAAAAAAAAAAAAAAAAAJ/f38AAAAAA8zMzADAwP8Af39/AAAAAAAAAAAAAAAAAAAAAAAAAAAAIQAAABgAAAAUAAAAwAMAABsnAAA/FQAAWSkAABAAAAAmAAAACAAAAAAAAAAAAAAA"/>
+                <pr:smNativeData xmlns:pr="smNativeData" xmlns="smNativeData" val="SMDATA_15_PhJKaRMAAAAlAAAAZAAAAA0AAAAAkAAAAEgAAACQAAAASAAAAAAAAAABAAAAAAAAAAEAAABQAAAAAAAAAAAA4D8AAAAAAADgPwAAAAAAAOA/AAAAAAAA4D8AAAAAAADgPwAAAAAAAOA/AAAAAAAA4D8AAAAAAADgPwAAAAAAAOA/AAAAAAAA4D8CAAAAjAAAAAAAAAAAAAAAu+DjDP///wgAAAAAAAAAAAAAAAAAAAAAAAAAAAAAAAAAAAAAZAAAAAEAAABAAAAAAAAAAAAAAAAAAAAAAAAAAAAAAAAAAAAAAAAAAAAAAAAAAAAAAAAAAAAAAAAAAAAAAAAAAAAAAAAAAAAAAAAAAAAAAAAAAAAAAAAAAAAAAAAAAAAAFAAAADwAAAAAAAAAAAAAAAAAAAkUAAAAAQAAABQAAAAUAAAAFAAAAAEAAAAAAAAAZAAAAGQAAAAAAAAAZAAAAGQAAAAVAAAAYAAAAAAAAAAAAAAADwAAACADAAAAAAAAAAAAAAEAAACgMgAAVgcAAKr4//8BAAAAf39/AAEAAABkAAAAAAAAABQAAABAHwAAAAAAACYAAAAAAAAAwOD//wAAAAAmAAAAZAAAABYAAABMAAAAAAAAAAAAAAAEAAAAAAAAAAEAAACAgIAKAAAAACgAAAAoAAAAZAAAAGQAAAAAAAAAzMzMAAAAAABQAAAAUAAAAGQAAABkAAAAAAAAABcAAAAUAAAAAAAAAAAAAAD/fwAA/38AAAAAAAAJAAAABAAAACyUxw4eAAAAaAAAAAAAAAAAAAAAAAAAAAAAAAAAAAAAECcAABAnAAAAAAAAAAAAAAAAAAAAAAAAAAAAAAAAAAAAAAAAAAAAABQAAAAAAAAAwMD/AAAAAABkAAAAMgAAAAAAAABkAAAAAAAAAH9/fwAKAAAAIgAAABgAAAAAAAAAAAAAAAAAAAAAAAAAAAAAAAAAAAAkAAAAJAAAAAAAAAAHAAAAAAAAAAAAAAAAAAAAAAAAAAAAAAAAAAAAf39/ACUAAABYAAAAAAAAAAAAAAAAAAAAAAAAAAAAAAAAAAAAAAAAAAAAAAAAAAAAAAAAAAAAAAA/AAAAAAAAAKCGAQAAAAAAAAAAAAAAAAAMAAAAAQAAAAAAAAAAAAAAAAAAAB8AAABUAAAAAAAABQAAAAEAAAAAAAAAAAAAAAAAAAAAAAAAAAAAAAAAAAAAAAAAAAAAAAJ/f38AAAAAA8zMzADAwP8Af39/AAAAAAAAAAAAAAAAAAAAAAAAAAAAIQAAABgAAAAUAAAAwAMAABsnAAA/FQAAWSkAABAAAAAmAAAACAAAAAAAAAAAAAAA"/>
               </a:ext>
             </a:extLst>
           </p:cNvSpPr>
@@ -355,7 +356,7 @@
           <a:lstStyle/>
           <a:p>
             <a:pPr/>
-            <a:fld id="{0C3DC20A-44E1-6834-AF85-B2618CCB59E7}" type="datetime1">
+            <a:fld id="{0CA782B9-F7E1-F274-AF1F-0121CC515954}" type="datetime1">
               <a:t/>
             </a:fld>
           </a:p>
@@ -368,7 +369,7 @@
             <a:spLocks noGrp="1" noChangeArrowheads="1"/>
             <a:extLst>
               <a:ext uri="smNativeData">
-                <pr:smNativeData xmlns:pr="smNativeData" xmlns="smNativeData" val="SMDATA_15_D/RJaRMAAAAlAAAAZAAAAA0AAAAAkAAAAEgAAACQAAAASAAAAAAAAAABAAAAAAAAAAEAAABQAAAAAAAAAAAA4D8AAAAAAADgPwAAAAAAAOA/AAAAAAAA4D8AAAAAAADgPwAAAAAAAOA/AAAAAAAA4D8AAAAAAADgPwAAAAAAAOA/AAAAAAAA4D8CAAAAjAAAAAAAAAAAAAAAu+DjDP///wgAAAAAAAAAAAAAAAAAAAAAAAAAAAAAAAAAAAAAZAAAAAEAAABAAAAAAAAAAAAAAAAAAAAAAAAAAAAAAAAAAAAAAAAAAAAAAAAAAAAAAAAAAAAAAAAAAAAAAAAAAAAAAAAAAAAAAAAAAAAAAAAAAAAAAAAAAAAAAAAAAAAAFAAAADwAAAAAAAAAAAAAAAAAAAkUAAAAAQAAABQAAAAUAAAAFAAAAAEAAAAAAAAAZAAAAGQAAAAAAAAAZAAAAGQAAAAVAAAAYAAAAAAAAAAAAAAADwAAACADAAAAAAAAAAAAAAEAAACgMgAAVgcAAKr4//8BAAAAf39/AAEAAABkAAAAAAAAABQAAABAHwAAAAAAACYAAAAAAAAAwOD//wAAAAAmAAAAZAAAABYAAABMAAAAAAAAAAAAAAAEAAAAAAAAAAEAAACAgIAKAAAAACgAAAAoAAAAZAAAAGQAAAAAAAAAzMzMAAAAAABQAAAAUAAAAGQAAABkAAAAAAAAABcAAAAUAAAAAAAAAAAAAAD/fwAA/38AAAAAAAAJAAAABAAAAGxpY2keAAAAaAAAAAAAAAAAAAAAAAAAAAAAAAAAAAAAECcAABAnAAAAAAAAAAAAAAAAAAAAAAAAAAAAAAAAAAAAAAAAAAAAABQAAAAAAAAAwMD/AAAAAABkAAAAMgAAAAAAAABkAAAAAAAAAH9/fwAKAAAAIgAAABgAAAAAAAAAAAAAAAAAAAAAAAAAAAAAAAAAAAAkAAAAJAAAAAAAAAAHAAAAAAAAAAAAAAAAAAAAAAAAAAAAAAAAAAAAf39/ACUAAABYAAAAAAAAAAAAAAAAAAAAAAAAAAAAAAAAAAAAAAAAAAAAAAAAAAAAAAAAAAAAAAA/AAAAAAAAAKCGAQAAAAAAAAAAAAAAAAAMAAAAAQAAAAAAAAAAAAAAAAAAAB8AAABUAAAAAAAABQAAAAEAAAAAAAAAAAAAAAAAAAAAAAAAAAAAAAAAAAAAAAAAAAAAAAJ/f38AAAAAA8zMzADAwP8Af39/AAAAAAAAAAAAAAAAAAAAAAAAAAAAIQAAABgAAAAUAAAAoRkAABsnAABfMQAAWSkAABAAAAAmAAAACAAAAAAAAAAAAAAA"/>
+                <pr:smNativeData xmlns:pr="smNativeData" xmlns="smNativeData" val="SMDATA_15_PhJKaRMAAAAlAAAAZAAAAA0AAAAAkAAAAEgAAACQAAAASAAAAAAAAAABAAAAAAAAAAEAAABQAAAAAAAAAAAA4D8AAAAAAADgPwAAAAAAAOA/AAAAAAAA4D8AAAAAAADgPwAAAAAAAOA/AAAAAAAA4D8AAAAAAADgPwAAAAAAAOA/AAAAAAAA4D8CAAAAjAAAAAAAAAAAAAAAu+DjDP///wgAAAAAAAAAAAAAAAAAAAAAAAAAAAAAAAAAAAAAZAAAAAEAAABAAAAAAAAAAAAAAAAAAAAAAAAAAAAAAAAAAAAAAAAAAAAAAAAAAAAAAAAAAAAAAAAAAAAAAAAAAAAAAAAAAAAAAAAAAAAAAAAAAAAAAAAAAAAAAAAAAAAAFAAAADwAAAAAAAAAAAAAAAAAAAkUAAAAAQAAABQAAAAUAAAAFAAAAAEAAAAAAAAAZAAAAGQAAAAAAAAAZAAAAGQAAAAVAAAAYAAAAAAAAAAAAAAADwAAACADAAAAAAAAAAAAAAEAAACgMgAAVgcAAKr4//8BAAAAf39/AAEAAABkAAAAAAAAABQAAABAHwAAAAAAACYAAAAAAAAAwOD//wAAAAAmAAAAZAAAABYAAABMAAAAAAAAAAAAAAAEAAAAAAAAAAEAAACAgIAKAAAAACgAAAAoAAAAZAAAAGQAAAAAAAAAzMzMAAAAAABQAAAAUAAAAGQAAABkAAAAAAAAABcAAAAUAAAAAAAAAAAAAAD/fwAA/38AAAAAAAAJAAAABAAAAGxpY2keAAAAaAAAAAAAAAAAAAAAAAAAAAAAAAAAAAAAECcAABAnAAAAAAAAAAAAAAAAAAAAAAAAAAAAAAAAAAAAAAAAAAAAABQAAAAAAAAAwMD/AAAAAABkAAAAMgAAAAAAAABkAAAAAAAAAH9/fwAKAAAAIgAAABgAAAAAAAAAAAAAAAAAAAAAAAAAAAAAAAAAAAAkAAAAJAAAAAAAAAAHAAAAAAAAAAAAAAAAAAAAAAAAAAAAAAAAAAAAf39/ACUAAABYAAAAAAAAAAAAAAAAAAAAAAAAAAAAAAAAAAAAAAAAAAAAAAAAAAAAAAAAAAAAAAA/AAAAAAAAAKCGAQAAAAAAAAAAAAAAAAAMAAAAAQAAAAAAAAAAAAAAAAAAAB8AAABUAAAAAAAABQAAAAEAAAAAAAAAAAAAAAAAAAAAAAAAAAAAAAAAAAAAAAAAAAAAAAJ/f38AAAAAA8zMzADAwP8Af39/AAAAAAAAAAAAAAAAAAAAAAAAAAAAIQAAABgAAAAUAAAAoRkAABsnAABfMQAAWSkAABAAAAAmAAAACAAAAAAAAAAAAAAA"/>
               </a:ext>
             </a:extLst>
           </p:cNvSpPr>
@@ -392,7 +393,7 @@
             <a:spLocks noGrp="1" noChangeArrowheads="1"/>
             <a:extLst>
               <a:ext uri="smNativeData">
-                <pr:smNativeData xmlns:pr="smNativeData" xmlns="smNativeData" val="SMDATA_15_D/RJaRMAAAAlAAAAZAAAAA0AAAAAkAAAAEgAAACQAAAASAAAAAAAAAABAAAAAAAAAAEAAABQAAAAAAAAAAAA4D8AAAAAAADgPwAAAAAAAOA/AAAAAAAA4D8AAAAAAADgPwAAAAAAAOA/AAAAAAAA4D8AAAAAAADgPwAAAAAAAOA/AAAAAAAA4D8CAAAAjAAAAAAAAAAAAAAAu+DjDP///wgAAAAAAAAAAAAAAAAAAAAAAAAAAAAAAAAAAAAAZAAAAAEAAABAAAAAAAAAAAAAAAAAAAAAAAAAAAAAAAAAAAAAAAAAAAAAAAAAAAAAAAAAAAAAAAAAAAAAAAAAAAAAAAAAAAAAAAAAAAAAAAAAAAAAAAAAAAAAAAAAAAAAFAAAADwAAAAAAAAAAAAAAAAAAAkUAAAAAQAAABQAAAAUAAAAFAAAAAEAAAAAAAAAZAAAAGQAAAAAAAAAZAAAAGQAAAAVAAAAYAAAAAAAAAAAAAAADwAAACADAAAAAAAAAAAAAAEAAACgMgAAVgcAAKr4//8BAAAAf39/AAEAAABkAAAAAAAAABQAAABAHwAAAAAAACYAAAAAAAAAwOD//wAAAAAmAAAAZAAAABYAAABMAAAAAAAAAAAAAAAEAAAAAAAAAAEAAACAgIAKAAAAACgAAAAoAAAAZAAAAGQAAAAAAAAAzMzMAAAAAABQAAAAUAAAAGQAAABkAAAAAAAAABcAAAAUAAAAAAAAAAAAAAD/fwAA/38AAAAAAAAJAAAABAAAAF8AYAAeAAAAaAAAAAAAAAAAAAAAAAAAAAAAAAAAAAAAECcAABAnAAAAAAAAAAAAAAAAAAAAAAAAAAAAAAAAAAAAAAAAAAAAABQAAAAAAAAAwMD/AAAAAABkAAAAMgAAAAAAAABkAAAAAAAAAH9/fwAKAAAAIgAAABgAAAAAAAAAAAAAAAAAAAAAAAAAAAAAAAAAAAAkAAAAJAAAAAAAAAAHAAAAAAAAAAAAAAAAAAAAAAAAAAAAAAAAAAAAf39/ACUAAABYAAAAAAAAAAAAAAAAAAAAAAAAAAAAAAAAAAAAAAAAAAAAAAAAAAAAAAAAAAAAAAA/AAAAAAAAAKCGAQAAAAAAAAAAAAAAAAAMAAAAAQAAAAAAAAAAAAAAAAAAAB8AAABUAAAAAAAABQAAAAEAAAAAAAAAAAAAAAAAAAAAAAAAAAAAAAAAAAAAAAAAAAAAAAJ/f38AAAAAA8zMzADAwP8Af39/AAAAAAAAAAAAAAAAAAAAAAAAAAAAIQAAABgAAAAUAAAAwTUAABsnAABARwAAWSkAABAAAAAmAAAACAAAAAAAAAAAAAAA"/>
+                <pr:smNativeData xmlns:pr="smNativeData" xmlns="smNativeData" val="SMDATA_15_PhJKaRMAAAAlAAAAZAAAAA0AAAAAkAAAAEgAAACQAAAASAAAAAAAAAABAAAAAAAAAAEAAABQAAAAAAAAAAAA4D8AAAAAAADgPwAAAAAAAOA/AAAAAAAA4D8AAAAAAADgPwAAAAAAAOA/AAAAAAAA4D8AAAAAAADgPwAAAAAAAOA/AAAAAAAA4D8CAAAAjAAAAAAAAAAAAAAAu+DjDP///wgAAAAAAAAAAAAAAAAAAAAAAAAAAAAAAAAAAAAAZAAAAAEAAABAAAAAAAAAAAAAAAAAAAAAAAAAAAAAAAAAAAAAAAAAAAAAAAAAAAAAAAAAAAAAAAAAAAAAAAAAAAAAAAAAAAAAAAAAAAAAAAAAAAAAAAAAAAAAAAAAAAAAFAAAADwAAAAAAAAAAAAAAAAAAAkUAAAAAQAAABQAAAAUAAAAFAAAAAEAAAAAAAAAZAAAAGQAAAAAAAAAZAAAAGQAAAAVAAAAYAAAAAAAAAAAAAAADwAAACADAAAAAAAAAAAAAAEAAACgMgAAVgcAAKr4//8BAAAAf39/AAEAAABkAAAAAAAAABQAAABAHwAAAAAAACYAAAAAAAAAwOD//wAAAAAmAAAAZAAAABYAAABMAAAAAAAAAAAAAAAEAAAAAAAAAAEAAACAgIAKAAAAACgAAAAoAAAAZAAAAGQAAAAAAAAAzMzMAAAAAABQAAAAUAAAAGQAAABkAAAAAAAAABcAAAAUAAAAAAAAAAAAAAD/fwAA/38AAAAAAAAJAAAABAAAAF8AYAAeAAAAaAAAAAAAAAAAAAAAAAAAAAAAAAAAAAAAECcAABAnAAAAAAAAAAAAAAAAAAAAAAAAAAAAAAAAAAAAAAAAAAAAABQAAAAAAAAAwMD/AAAAAABkAAAAMgAAAAAAAABkAAAAAAAAAH9/fwAKAAAAIgAAABgAAAAAAAAAAAAAAAAAAAAAAAAAAAAAAAAAAAAkAAAAJAAAAAAAAAAHAAAAAAAAAAAAAAAAAAAAAAAAAAAAAAAAAAAAf39/ACUAAABYAAAAAAAAAAAAAAAAAAAAAAAAAAAAAAAAAAAAAAAAAAAAAAAAAAAAAAAAAAAAAAA/AAAAAAAAAKCGAQAAAAAAAAAAAAAAAAAMAAAAAQAAAAAAAAAAAAAAAAAAAB8AAABUAAAAAAAABQAAAAEAAAAAAAAAAAAAAAAAAAAAAAAAAAAAAAAAAAAAAAAAAAAAAAJ/f38AAAAAA8zMzADAwP8Af39/AAAAAAAAAAAAAAAAAAAAAAAAAAAAIQAAABgAAAAUAAAAwTUAABsnAABARwAAWSkAABAAAAAmAAAACAAAAAAAAAAAAAAA"/>
               </a:ext>
             </a:extLst>
           </p:cNvSpPr>
@@ -406,7 +407,7 @@
           <a:lstStyle/>
           <a:p>
             <a:pPr/>
-            <a:fld id="{0C3D90F8-B6E1-6866-AF85-4033DECB5915}" type="slidenum">
+            <a:fld id="{0CA7D215-5BE1-F224-AF1F-AD719C5159F8}" type="slidenum">
               <a:t/>
             </a:fld>
           </a:p>
@@ -445,7 +446,7 @@
             <a:spLocks noGrp="1" noChangeArrowheads="1"/>
             <a:extLst>
               <a:ext uri="smNativeData">
-                <pr:smNativeData xmlns:pr="smNativeData" xmlns="smNativeData" val="SMDATA_15_D/RJaRMAAAAlAAAAZAAAAA0AAAAAkAAAAEgAAACQAAAASAAAAAAAAAABAAAAAAAAAAEAAABQAAAAAAAAAAAA4D8AAAAAAADgPwAAAAAAAOA/AAAAAAAA4D8AAAAAAADgPwAAAAAAAOA/AAAAAAAA4D8AAAAAAADgPwAAAAAAAOA/AAAAAAAA4D8CAAAAjAAAAAAAAAAAAAAAu+DjDP///wgAAAAAAAAAAAAAAAAAAAAAAAAAAAAAAAAAAAAAZAAAAAEAAABAAAAAAAAAAAAAAAAAAAAAAAAAAAAAAAAAAAAAAAAAAAAAAAAAAAAAAAAAAAAAAAAAAAAAAAAAAAAAAAAAAAAAAAAAAAAAAAAAAAAAAAAAAAAAAAAAAAAAFAAAADwAAAAAAAAAAAAAAAAAAAkUAAAAAQAAABQAAAAUAAAAFAAAAAEAAAAAAAAAZAAAAGQAAAAAAAAAZAAAAGQAAAAVAAAAYAAAAAAAAAAAAAAADwAAACADAAAAAAAAAAAAAAEAAACgMgAAVgcAAKr4//8BAAAAf39/AAEAAABkAAAAAAAAABQAAABAHwAAAAAAACYAAAAAAAAAwOD//wAAAAAmAAAAZAAAABYAAABMAAAAAAAAAAAAAAAEAAAAAAAAAAEAAACAgIAKAAAAACgAAAAoAAAAZAAAAGQAAAAAAAAAzMzMAAAAAABQAAAAUAAAAGQAAABkAAAAAAAAABcAAAAUAAAAAAAAAAAAAAD/fwAA/38AAAAAAAAJAAAABAAAAAAAAAAeAAAAaAAAAAAAAAAAAAAAAAAAAAAAAAAAAAAAECcAABAnAAAAAAAAAAAAAAAAAAAAAAAAAAAAAAAAAAAAAAAAAAAAABQAAAAAAAAAwMD/AAAAAABkAAAAMgAAAAAAAABkAAAAAAAAAH9/fwAKAAAAIgAAABgAAAAAAAAAAAAAAAAAAAAAAAAAAAAAAAAAAAAkAAAAJAAAAAAAAAAHAAAAAAAAAAAAAAAAAAAAAAAAAAAAAAAAAAAAf39/ACUAAABYAAAAAAAAAAAAAAAAAAAAAAAAAAAAAAAAAAAAAAAAAAAAAAAAAAAAAAAAAAAAAAA/AAAAAAAAAKCGAQAAAAAAAAAAAAAAAAAMAAAAAQAAAAAAAAAAAAAAAAAAAB8AAABUAAAAAAAABQAAAAEAAAAAAAAAAAAAAAAAAAAAAAAAAAAAAAAAAAAAAAAAAAAAAAJ/f38AAAAAA8zMzADAwP8Af39/AAAAAAAAAAAAAAAAAAAAAAAAAAAAIQAAABgAAAAUAAAAwAMAALABAABARwAAuAgAABAAAAAmAAAACAAAAAAAAAAAAAAA"/>
+                <pr:smNativeData xmlns:pr="smNativeData" xmlns="smNativeData" val="SMDATA_15_PhJKaRMAAAAlAAAAZAAAAA0AAAAAkAAAAEgAAACQAAAASAAAAAAAAAABAAAAAAAAAAEAAABQAAAAAAAAAAAA4D8AAAAAAADgPwAAAAAAAOA/AAAAAAAA4D8AAAAAAADgPwAAAAAAAOA/AAAAAAAA4D8AAAAAAADgPwAAAAAAAOA/AAAAAAAA4D8CAAAAjAAAAAAAAAAAAAAAu+DjDP///wgAAAAAAAAAAAAAAAAAAAAAAAAAAAAAAAAAAAAAZAAAAAEAAABAAAAAAAAAAAAAAAAAAAAAAAAAAAAAAAAAAAAAAAAAAAAAAAAAAAAAAAAAAAAAAAAAAAAAAAAAAAAAAAAAAAAAAAAAAAAAAAAAAAAAAAAAAAAAAAAAAAAAFAAAADwAAAAAAAAAAAAAAAAAAAkUAAAAAQAAABQAAAAUAAAAFAAAAAEAAAAAAAAAZAAAAGQAAAAAAAAAZAAAAGQAAAAVAAAAYAAAAAAAAAAAAAAADwAAACADAAAAAAAAAAAAAAEAAACgMgAAVgcAAKr4//8BAAAAf39/AAEAAABkAAAAAAAAABQAAABAHwAAAAAAACYAAAAAAAAAwOD//wAAAAAmAAAAZAAAABYAAABMAAAAAAAAAAAAAAAEAAAAAAAAAAEAAACAgIAKAAAAACgAAAAoAAAAZAAAAGQAAAAAAAAAzMzMAAAAAABQAAAAUAAAAGQAAABkAAAAAAAAABcAAAAUAAAAAAAAAAAAAAD/fwAA/38AAAAAAAAJAAAABAAAAAAAAAAeAAAAaAAAAAAAAAAAAAAAAAAAAAAAAAAAAAAAECcAABAnAAAAAAAAAAAAAAAAAAAAAAAAAAAAAAAAAAAAAAAAAAAAABQAAAAAAAAAwMD/AAAAAABkAAAAMgAAAAAAAABkAAAAAAAAAH9/fwAKAAAAIgAAABgAAAAAAAAAAAAAAAAAAAAAAAAAAAAAAAAAAAAkAAAAJAAAAAAAAAAHAAAAAAAAAAAAAAAAAAAAAAAAAAAAAAAAAAAAf39/ACUAAABYAAAAAAAAAAAAAAAAAAAAAAAAAAAAAAAAAAAAAAAAAAAAAAAAAAAAAAAAAAAAAAA/AAAAAAAAAKCGAQAAAAAAAAAAAAAAAAAMAAAAAQAAAAAAAAAAAAAAAAAAAB8AAABUAAAAAAAABQAAAAEAAAAAAAAAAAAAAAAAAAAAAAAAAAAAAAAAAAAAAAAAAAAAAAJ/f38AAAAAA8zMzADAwP8Af39/AAAAAAAAAAAAAAAAAAAAAAAAAAAAIQAAABgAAAAUAAAAwAMAALABAABARwAAuAgAABAAAAAmAAAACAAAAAAAAAAAAAAA"/>
               </a:ext>
             </a:extLst>
           </p:cNvSpPr>
@@ -472,7 +473,7 @@
             <a:spLocks noGrp="1" noChangeArrowheads="1"/>
             <a:extLst>
               <a:ext uri="smNativeData">
-                <pr:smNativeData xmlns:pr="smNativeData" xmlns="smNativeData" val="SMDATA_15_D/RJaRMAAAAlAAAAZAAAAA0AAAAAkAAAAEgAAACQAAAASAAAAAAAAAAAAAAAAQAAAAEAAABQAAAAAAAAAAAA4D8AAAAAAADgPwAAAAAAAOA/AAAAAAAA4D8AAAAAAADgPwAAAAAAAOA/AAAAAAAA4D8AAAAAAADgPwAAAAAAAOA/AAAAAAAA4D8CAAAAjAAAAAAAAAAAAAAAu+DjDP///wgAAAAAAAAAAAAAAAAAAAAAAAAAAAAAAAAAAAAAZAAAAAEAAABAAAAAAAAAAAAAAAAAAAAAAAAAAAAAAAAAAAAAAAAAAAAAAAAAAAAAAAAAAAAAAAAAAAAAAAAAAAAAAAAAAAAAAAAAAAAAAAAAAAAAAAAAAAAAAAAAAAAAFAAAADwAAAAAAAAAAAAAAAAAAAkUAAAAAQAAABQAAAAUAAAAFAAAAAEAAAAAAAAAZAAAAGQAAAAAAAAAZAAAAGQAAAAVAAAAYAAAAAAAAAAAAAAADwAAACADAAAAAAAAAAAAAAEAAACgMgAAVgcAAKr4//8BAAAAf39/AAEAAABkAAAAAAAAABQAAABAHwAAAAAAACYAAAAAAAAAwOD//wAAAAAmAAAAZAAAABYAAABMAAAAAAAAAAAAAAAEAAAAAAAAAAEAAACAgIAKAAAAACgAAAAoAAAAZAAAAGQAAAAAAAAAzMzMAAAAAABQAAAAUAAAAGQAAABkAAAAAAAAABcAAAAUAAAAAAAAAAAAAAD/fwAA/38AAAAAAAAJAAAABAAAAAAAAAAeAAAAaAAAAAAAAAAAAAAAAAAAAAAAAAAAAAAAECcAABAnAAAAAAAAAAAAAAAAAAAAAAAAAAAAAAAAAAAAAAAAAAAAABQAAAAAAAAAwMD/AAAAAABkAAAAMgAAAAAAAABkAAAAAAAAAH9/fwAKAAAAIgAAABgAAAAAAAAAAAAAAAAAAAAAAAAAAAAAAAAAAAAkAAAAJAAAAAAAAAAHAAAAAAAAAAAAAAAAAAAAAAAAAAAAAAAAAAAAf39/ACUAAABYAAAAAAAAAAAAAAAAAAAAAAAAAAAAAAAAAAAAAAAAAAAAAAAAAAAAAAAAAAAAAAA/AAAAAAAAAKCGAQAAAAAAAAAAAAAAAAAMAAAAAQAAAAAAAAAAAAAAAAAAAB8AAABUAAAAAAAABQAAAAEAAAAAAAAAAAAAAAAAAAAAAAAAAAAAAAAAAAAAAAAAAAAAAAJ/f38AAAAAA8zMzADAwP8Af39/AAAAAAAAAAAAAAAAAAAAAAAAAAAAIQAAABgAAAAUAAAAwAMAANgJAABARwAAsCUAABAAAAAmAAAACAAAAAIQAAAAAAAA"/>
+                <pr:smNativeData xmlns:pr="smNativeData" xmlns="smNativeData" val="SMDATA_15_PhJKaRMAAAAlAAAAZAAAAA0AAAAAkAAAAEgAAACQAAAASAAAAAAAAAAAAAAAAQAAAAEAAABQAAAAAAAAAAAA4D8AAAAAAADgPwAAAAAAAOA/AAAAAAAA4D8AAAAAAADgPwAAAAAAAOA/AAAAAAAA4D8AAAAAAADgPwAAAAAAAOA/AAAAAAAA4D8CAAAAjAAAAAAAAAAAAAAAu+DjDP///wgAAAAAAAAAAAAAAAAAAAAAAAAAAAAAAAAAAAAAZAAAAAEAAABAAAAAAAAAAAAAAAAAAAAAAAAAAAAAAAAAAAAAAAAAAAAAAAAAAAAAAAAAAAAAAAAAAAAAAAAAAAAAAAAAAAAAAAAAAAAAAAAAAAAAAAAAAAAAAAAAAAAAFAAAADwAAAAAAAAAAAAAAAAAAAkUAAAAAQAAABQAAAAUAAAAFAAAAAEAAAAAAAAAZAAAAGQAAAAAAAAAZAAAAGQAAAAVAAAAYAAAAAAAAAAAAAAADwAAACADAAAAAAAAAAAAAAEAAACgMgAAVgcAAKr4//8BAAAAf39/AAEAAABkAAAAAAAAABQAAABAHwAAAAAAACYAAAAAAAAAwOD//wAAAAAmAAAAZAAAABYAAABMAAAAAAAAAAAAAAAEAAAAAAAAAAEAAACAgIAKAAAAACgAAAAoAAAAZAAAAGQAAAAAAAAAzMzMAAAAAABQAAAAUAAAAGQAAABkAAAAAAAAABcAAAAUAAAAAAAAAAAAAAD/fwAA/38AAAAAAAAJAAAABAAAAAAAAAAeAAAAaAAAAAAAAAAAAAAAAAAAAAAAAAAAAAAAECcAABAnAAAAAAAAAAAAAAAAAAAAAAAAAAAAAAAAAAAAAAAAAAAAABQAAAAAAAAAwMD/AAAAAABkAAAAMgAAAAAAAABkAAAAAAAAAH9/fwAKAAAAIgAAABgAAAAAAAAAAAAAAAAAAAAAAAAAAAAAAAAAAAAkAAAAJAAAAAAAAAAHAAAAAAAAAAAAAAAAAAAAAAAAAAAAAAAAAAAAf39/ACUAAABYAAAAAAAAAAAAAAAAAAAAAAAAAAAAAAAAAAAAAAAAAAAAAAAAAAAAAAAAAAAAAAA/AAAAAAAAAKCGAQAAAAAAAAAAAAAAAAAMAAAAAQAAAAAAAAAAAAAAAAAAAB8AAABUAAAAAAAABQAAAAEAAAAAAAAAAAAAAAAAAAAAAAAAAAAAAAAAAAAAAAAAAAAAAAJ/f38AAAAAA8zMzADAwP8Af39/AAAAAAAAAAAAAAAAAAAAAAAAAAAAIQAAABgAAAAUAAAAwAMAANgJAABARwAAsCUAABAAAAAmAAAACAAAAAIQAAAAAAAA"/>
               </a:ext>
             </a:extLst>
           </p:cNvSpPr>
@@ -527,7 +528,7 @@
             <a:spLocks noGrp="1" noChangeArrowheads="1"/>
             <a:extLst>
               <a:ext uri="smNativeData">
-                <pr:smNativeData xmlns:pr="smNativeData" xmlns="smNativeData" val="SMDATA_15_D/RJaRMAAAAlAAAAZAAAAA0AAAAAkAAAAEgAAACQAAAASAAAAAAAAAABAAAAAAAAAAEAAABQAAAAAAAAAAAA4D8AAAAAAADgPwAAAAAAAOA/AAAAAAAA4D8AAAAAAADgPwAAAAAAAOA/AAAAAAAA4D8AAAAAAADgPwAAAAAAAOA/AAAAAAAA4D8CAAAAjAAAAAAAAAAAAAAAu+DjDP///wgAAAAAAAAAAAAAAAAAAAAAAAAAAAAAAAAAAAAAZAAAAAEAAABAAAAAAAAAAAAAAAAAAAAAAAAAAAAAAAAAAAAAAAAAAAAAAAAAAAAAAAAAAAAAAAAAAAAAAAAAAAAAAAAAAAAAAAAAAAAAAAAAAAAAAAAAAAAAAAAAAAAAFAAAADwAAAAAAAAAAAAAAAAAAAkUAAAAAQAAABQAAAAUAAAAFAAAAAEAAAAAAAAAZAAAAGQAAAAAAAAAZAAAAGQAAAAVAAAAYAAAAAAAAAAAAAAADwAAACADAAAAAAAAAAAAAAEAAACgMgAAVgcAAKr4//8BAAAAf39/AAEAAABkAAAAAAAAABQAAABAHwAAAAAAACYAAAAAAAAAwOD//wAAAAAmAAAAZAAAABYAAABMAAAAAAAAAAAAAAAEAAAAAAAAAAEAAACAgIAKAAAAACgAAAAoAAAAZAAAAGQAAAAAAAAAzMzMAAAAAABQAAAAUAAAAGQAAABkAAAAAAAAABcAAAAUAAAAAAAAAAAAAAD/fwAA/38AAAAAAAAJAAAABAAAAAAAAAAeAAAAaAAAAAAAAAAAAAAAAAAAAAAAAAAAAAAAECcAABAnAAAAAAAAAAAAAAAAAAAAAAAAAAAAAAAAAAAAAAAAAAAAABQAAAAAAAAAwMD/AAAAAABkAAAAMgAAAAAAAABkAAAAAAAAAH9/fwAKAAAAIgAAABgAAAAAAAAAAAAAAAAAAAAAAAAAAAAAAAAAAAAkAAAAJAAAAAAAAAAHAAAAAAAAAAAAAAAAAAAAAAAAAAAAAAAAAAAAf39/ACUAAABYAAAAAAAAAAAAAAAAAAAAAAAAAAAAAAAAAAAAAAAAAAAAAAAAAAAAAAAAAAAAAAA/AAAAAAAAAKCGAQAAAAAAAAAAAAAAAAAMAAAAAQAAAAAAAAAAAAAAAAAAAB8AAABUAAAAAAAABQAAAAEAAAAAAAAAAAAAAAAAAAAAAAAAAAAAAAAAAAAAAAAAAAAAAAJ/f38AAAAAA8zMzADAwP8Af39/AAAAAAAAAAAAAAAAAAAAAAAAAAAAIQAAABgAAAAUAAAAwAMAABsnAAA/FQAAWSkAABAAAAAmAAAACAAAAAAAAAAAAAAA"/>
+                <pr:smNativeData xmlns:pr="smNativeData" xmlns="smNativeData" val="SMDATA_15_PhJKaRMAAAAlAAAAZAAAAA0AAAAAkAAAAEgAAACQAAAASAAAAAAAAAABAAAAAAAAAAEAAABQAAAAAAAAAAAA4D8AAAAAAADgPwAAAAAAAOA/AAAAAAAA4D8AAAAAAADgPwAAAAAAAOA/AAAAAAAA4D8AAAAAAADgPwAAAAAAAOA/AAAAAAAA4D8CAAAAjAAAAAAAAAAAAAAAu+DjDP///wgAAAAAAAAAAAAAAAAAAAAAAAAAAAAAAAAAAAAAZAAAAAEAAABAAAAAAAAAAAAAAAAAAAAAAAAAAAAAAAAAAAAAAAAAAAAAAAAAAAAAAAAAAAAAAAAAAAAAAAAAAAAAAAAAAAAAAAAAAAAAAAAAAAAAAAAAAAAAAAAAAAAAFAAAADwAAAAAAAAAAAAAAAAAAAkUAAAAAQAAABQAAAAUAAAAFAAAAAEAAAAAAAAAZAAAAGQAAAAAAAAAZAAAAGQAAAAVAAAAYAAAAAAAAAAAAAAADwAAACADAAAAAAAAAAAAAAEAAACgMgAAVgcAAKr4//8BAAAAf39/AAEAAABkAAAAAAAAABQAAABAHwAAAAAAACYAAAAAAAAAwOD//wAAAAAmAAAAZAAAABYAAABMAAAAAAAAAAAAAAAEAAAAAAAAAAEAAACAgIAKAAAAACgAAAAoAAAAZAAAAGQAAAAAAAAAzMzMAAAAAABQAAAAUAAAAGQAAABkAAAAAAAAABcAAAAUAAAAAAAAAAAAAAD/fwAA/38AAAAAAAAJAAAABAAAAAAAAAAeAAAAaAAAAAAAAAAAAAAAAAAAAAAAAAAAAAAAECcAABAnAAAAAAAAAAAAAAAAAAAAAAAAAAAAAAAAAAAAAAAAAAAAABQAAAAAAAAAwMD/AAAAAABkAAAAMgAAAAAAAABkAAAAAAAAAH9/fwAKAAAAIgAAABgAAAAAAAAAAAAAAAAAAAAAAAAAAAAAAAAAAAAkAAAAJAAAAAAAAAAHAAAAAAAAAAAAAAAAAAAAAAAAAAAAAAAAAAAAf39/ACUAAABYAAAAAAAAAAAAAAAAAAAAAAAAAAAAAAAAAAAAAAAAAAAAAAAAAAAAAAAAAAAAAAA/AAAAAAAAAKCGAQAAAAAAAAAAAAAAAAAMAAAAAQAAAAAAAAAAAAAAAAAAAB8AAABUAAAAAAAABQAAAAEAAAAAAAAAAAAAAAAAAAAAAAAAAAAAAAAAAAAAAAAAAAAAAAJ/f38AAAAAA8zMzADAwP8Af39/AAAAAAAAAAAAAAAAAAAAAAAAAAAAIQAAABgAAAAUAAAAwAMAABsnAAA/FQAAWSkAABAAAAAmAAAACAAAAAAAAAAAAAAA"/>
               </a:ext>
             </a:extLst>
           </p:cNvSpPr>
@@ -541,7 +542,7 @@
           <a:lstStyle/>
           <a:p>
             <a:pPr/>
-            <a:fld id="{0C3DC289-C7E1-6834-AF85-31618CCB5964}" type="datetime1">
+            <a:fld id="{0CA7B38B-C5E1-F245-AF1F-3310FD515966}" type="datetime1">
               <a:t>12/16/2025</a:t>
             </a:fld>
           </a:p>
@@ -554,7 +555,7 @@
             <a:spLocks noGrp="1" noChangeArrowheads="1"/>
             <a:extLst>
               <a:ext uri="smNativeData">
-                <pr:smNativeData xmlns:pr="smNativeData" xmlns="smNativeData" val="SMDATA_15_D/RJaRMAAAAlAAAAZAAAAA0AAAAAkAAAAEgAAACQAAAASAAAAAAAAAABAAAAAAAAAAEAAABQAAAAAAAAAAAA4D8AAAAAAADgPwAAAAAAAOA/AAAAAAAA4D8AAAAAAADgPwAAAAAAAOA/AAAAAAAA4D8AAAAAAADgPwAAAAAAAOA/AAAAAAAA4D8CAAAAjAAAAAAAAAAAAAAAu+DjDP///wgAAAAAAAAAAAAAAAAAAAAAAAAAAAAAAAAAAAAAZAAAAAEAAABAAAAAAAAAAAAAAAAAAAAAAAAAAAAAAAAAAAAAAAAAAAAAAAAAAAAAAAAAAAAAAAAAAAAAAAAAAAAAAAAAAAAAAAAAAAAAAAAAAAAAAAAAAAAAAAAAAAAAFAAAADwAAAAAAAAAAAAAAAAAAAkUAAAAAQAAABQAAAAUAAAAFAAAAAEAAAAAAAAAZAAAAGQAAAAAAAAAZAAAAGQAAAAVAAAAYAAAAAAAAAAAAAAADwAAACADAAAAAAAAAAAAAAEAAACgMgAAVgcAAKr4//8BAAAAf39/AAEAAABkAAAAAAAAABQAAABAHwAAAAAAACYAAAAAAAAAwOD//wAAAAAmAAAAZAAAABYAAABMAAAAAAAAAAAAAAAEAAAAAAAAAAEAAACAgIAKAAAAACgAAAAoAAAAZAAAAGQAAAAAAAAAzMzMAAAAAABQAAAAUAAAAGQAAABkAAAAAAAAABcAAAAUAAAAAAAAAAAAAAD/fwAA/38AAAAAAAAJAAAABAAAAAAAAAAeAAAAaAAAAAAAAAAAAAAAAAAAAAAAAAAAAAAAECcAABAnAAAAAAAAAAAAAAAAAAAAAAAAAAAAAAAAAAAAAAAAAAAAABQAAAAAAAAAwMD/AAAAAABkAAAAMgAAAAAAAABkAAAAAAAAAH9/fwAKAAAAIgAAABgAAAAAAAAAAAAAAAAAAAAAAAAAAAAAAAAAAAAkAAAAJAAAAAAAAAAHAAAAAAAAAAAAAAAAAAAAAAAAAAAAAAAAAAAAf39/ACUAAABYAAAAAAAAAAAAAAAAAAAAAAAAAAAAAAAAAAAAAAAAAAAAAAAAAAAAAAAAAAAAAAA/AAAAAAAAAKCGAQAAAAAAAAAAAAAAAAAMAAAAAQAAAAAAAAAAAAAAAAAAAB8AAABUAAAAAAAABQAAAAEAAAAAAAAAAAAAAAAAAAAAAAAAAAAAAAAAAAAAAAAAAAAAAAJ/f38AAAAAA8zMzADAwP8Af39/AAAAAAAAAAAAAAAAAAAAAAAAAAAAIQAAABgAAAAUAAAAoRkAABsnAABfMQAAWSkAABAAAAAmAAAACAAAAAAAAAAAAAAA"/>
+                <pr:smNativeData xmlns:pr="smNativeData" xmlns="smNativeData" val="SMDATA_15_PhJKaRMAAAAlAAAAZAAAAA0AAAAAkAAAAEgAAACQAAAASAAAAAAAAAABAAAAAAAAAAEAAABQAAAAAAAAAAAA4D8AAAAAAADgPwAAAAAAAOA/AAAAAAAA4D8AAAAAAADgPwAAAAAAAOA/AAAAAAAA4D8AAAAAAADgPwAAAAAAAOA/AAAAAAAA4D8CAAAAjAAAAAAAAAAAAAAAu+DjDP///wgAAAAAAAAAAAAAAAAAAAAAAAAAAAAAAAAAAAAAZAAAAAEAAABAAAAAAAAAAAAAAAAAAAAAAAAAAAAAAAAAAAAAAAAAAAAAAAAAAAAAAAAAAAAAAAAAAAAAAAAAAAAAAAAAAAAAAAAAAAAAAAAAAAAAAAAAAAAAAAAAAAAAFAAAADwAAAAAAAAAAAAAAAAAAAkUAAAAAQAAABQAAAAUAAAAFAAAAAEAAAAAAAAAZAAAAGQAAAAAAAAAZAAAAGQAAAAVAAAAYAAAAAAAAAAAAAAADwAAACADAAAAAAAAAAAAAAEAAACgMgAAVgcAAKr4//8BAAAAf39/AAEAAABkAAAAAAAAABQAAABAHwAAAAAAACYAAAAAAAAAwOD//wAAAAAmAAAAZAAAABYAAABMAAAAAAAAAAAAAAAEAAAAAAAAAAEAAACAgIAKAAAAACgAAAAoAAAAZAAAAGQAAAAAAAAAzMzMAAAAAABQAAAAUAAAAGQAAABkAAAAAAAAABcAAAAUAAAAAAAAAAAAAAD/fwAA/38AAAAAAAAJAAAABAAAAAAAAAAeAAAAaAAAAAAAAAAAAAAAAAAAAAAAAAAAAAAAECcAABAnAAAAAAAAAAAAAAAAAAAAAAAAAAAAAAAAAAAAAAAAAAAAABQAAAAAAAAAwMD/AAAAAABkAAAAMgAAAAAAAABkAAAAAAAAAH9/fwAKAAAAIgAAABgAAAAAAAAAAAAAAAAAAAAAAAAAAAAAAAAAAAAkAAAAJAAAAAAAAAAHAAAAAAAAAAAAAAAAAAAAAAAAAAAAAAAAAAAAf39/ACUAAABYAAAAAAAAAAAAAAAAAAAAAAAAAAAAAAAAAAAAAAAAAAAAAAAAAAAAAAAAAAAAAAA/AAAAAAAAAKCGAQAAAAAAAAAAAAAAAAAMAAAAAQAAAAAAAAAAAAAAAAAAAB8AAABUAAAAAAAABQAAAAEAAAAAAAAAAAAAAAAAAAAAAAAAAAAAAAAAAAAAAAAAAAAAAAJ/f38AAAAAA8zMzADAwP8Af39/AAAAAAAAAAAAAAAAAAAAAAAAAAAAIQAAABgAAAAUAAAAoRkAABsnAABfMQAAWSkAABAAAAAmAAAACAAAAAAAAAAAAAAA"/>
               </a:ext>
             </a:extLst>
           </p:cNvSpPr>
@@ -578,7 +579,7 @@
             <a:spLocks noGrp="1" noChangeArrowheads="1"/>
             <a:extLst>
               <a:ext uri="smNativeData">
-                <pr:smNativeData xmlns:pr="smNativeData" xmlns="smNativeData" val="SMDATA_15_D/RJaRMAAAAlAAAAZAAAAA0AAAAAkAAAAEgAAACQAAAASAAAAAAAAAABAAAAAAAAAAEAAABQAAAAAAAAAAAA4D8AAAAAAADgPwAAAAAAAOA/AAAAAAAA4D8AAAAAAADgPwAAAAAAAOA/AAAAAAAA4D8AAAAAAADgPwAAAAAAAOA/AAAAAAAA4D8CAAAAjAAAAAAAAAAAAAAAu+DjDP///wgAAAAAAAAAAAAAAAAAAAAAAAAAAAAAAAAAAAAAZAAAAAEAAABAAAAAAAAAAAAAAAAAAAAAAAAAAAAAAAAAAAAAAAAAAAAAAAAAAAAAAAAAAAAAAAAAAAAAAAAAAAAAAAAAAAAAAAAAAAAAAAAAAAAAAAAAAAAAAAAAAAAAFAAAADwAAAAAAAAAAAAAAAAAAAkUAAAAAQAAABQAAAAUAAAAFAAAAAEAAAAAAAAAZAAAAGQAAAAAAAAAZAAAAGQAAAAVAAAAYAAAAAAAAAAAAAAADwAAACADAAAAAAAAAAAAAAEAAACgMgAAVgcAAKr4//8BAAAAf39/AAEAAABkAAAAAAAAABQAAABAHwAAAAAAACYAAAAAAAAAwOD//wAAAAAmAAAAZAAAABYAAABMAAAAAAAAAAAAAAAEAAAAAAAAAAEAAACAgIAKAAAAACgAAAAoAAAAZAAAAGQAAAAAAAAAzMzMAAAAAABQAAAAUAAAAGQAAABkAAAAAAAAABcAAAAUAAAAAAAAAAAAAAD/fwAA/38AAAAAAAAJAAAABAAAAAAAAAAeAAAAaAAAAAAAAAAAAAAAAAAAAAAAAAAAAAAAECcAABAnAAAAAAAAAAAAAAAAAAAAAAAAAAAAAAAAAAAAAAAAAAAAABQAAAAAAAAAwMD/AAAAAABkAAAAMgAAAAAAAABkAAAAAAAAAH9/fwAKAAAAIgAAABgAAAAAAAAAAAAAAAAAAAAAAAAAAAAAAAAAAAAkAAAAJAAAAAAAAAAHAAAAAAAAAAAAAAAAAAAAAAAAAAAAAAAAAAAAf39/ACUAAABYAAAAAAAAAAAAAAAAAAAAAAAAAAAAAAAAAAAAAAAAAAAAAAAAAAAAAAAAAAAAAAA/AAAAAAAAAKCGAQAAAAAAAAAAAAAAAAAMAAAAAQAAAAAAAAAAAAAAAAAAAB8AAABUAAAAAAAABQAAAAEAAAAAAAAAAAAAAAAAAAAAAAAAAAAAAAAAAAAAAAAAAAAAAAJ/f38AAAAAA8zMzADAwP8Af39/AAAAAAAAAAAAAAAAAAAAAAAAAAAAIQAAABgAAAAUAAAAwTUAABsnAABARwAAWSkAABAAAAAmAAAACAAAAAAAAAAAAAAA"/>
+                <pr:smNativeData xmlns:pr="smNativeData" xmlns="smNativeData" val="SMDATA_15_PhJKaRMAAAAlAAAAZAAAAA0AAAAAkAAAAEgAAACQAAAASAAAAAAAAAABAAAAAAAAAAEAAABQAAAAAAAAAAAA4D8AAAAAAADgPwAAAAAAAOA/AAAAAAAA4D8AAAAAAADgPwAAAAAAAOA/AAAAAAAA4D8AAAAAAADgPwAAAAAAAOA/AAAAAAAA4D8CAAAAjAAAAAAAAAAAAAAAu+DjDP///wgAAAAAAAAAAAAAAAAAAAAAAAAAAAAAAAAAAAAAZAAAAAEAAABAAAAAAAAAAAAAAAAAAAAAAAAAAAAAAAAAAAAAAAAAAAAAAAAAAAAAAAAAAAAAAAAAAAAAAAAAAAAAAAAAAAAAAAAAAAAAAAAAAAAAAAAAAAAAAAAAAAAAFAAAADwAAAAAAAAAAAAAAAAAAAkUAAAAAQAAABQAAAAUAAAAFAAAAAEAAAAAAAAAZAAAAGQAAAAAAAAAZAAAAGQAAAAVAAAAYAAAAAAAAAAAAAAADwAAACADAAAAAAAAAAAAAAEAAACgMgAAVgcAAKr4//8BAAAAf39/AAEAAABkAAAAAAAAABQAAABAHwAAAAAAACYAAAAAAAAAwOD//wAAAAAmAAAAZAAAABYAAABMAAAAAAAAAAAAAAAEAAAAAAAAAAEAAACAgIAKAAAAACgAAAAoAAAAZAAAAGQAAAAAAAAAzMzMAAAAAABQAAAAUAAAAGQAAABkAAAAAAAAABcAAAAUAAAAAAAAAAAAAAD/fwAA/38AAAAAAAAJAAAABAAAAAAAAAAeAAAAaAAAAAAAAAAAAAAAAAAAAAAAAAAAAAAAECcAABAnAAAAAAAAAAAAAAAAAAAAAAAAAAAAAAAAAAAAAAAAAAAAABQAAAAAAAAAwMD/AAAAAABkAAAAMgAAAAAAAABkAAAAAAAAAH9/fwAKAAAAIgAAABgAAAAAAAAAAAAAAAAAAAAAAAAAAAAAAAAAAAAkAAAAJAAAAAAAAAAHAAAAAAAAAAAAAAAAAAAAAAAAAAAAAAAAAAAAf39/ACUAAABYAAAAAAAAAAAAAAAAAAAAAAAAAAAAAAAAAAAAAAAAAAAAAAAAAAAAAAAAAAAAAAA/AAAAAAAAAKCGAQAAAAAAAAAAAAAAAAAMAAAAAQAAAAAAAAAAAAAAAAAAAB8AAABUAAAAAAAABQAAAAEAAAAAAAAAAAAAAAAAAAAAAAAAAAAAAAAAAAAAAAAAAAAAAAJ/f38AAAAAA8zMzADAwP8Af39/AAAAAAAAAAAAAAAAAAAAAAAAAAAAIQAAABgAAAAUAAAAwTUAABsnAABARwAAWSkAABAAAAAmAAAACAAAAAAAAAAAAAAA"/>
               </a:ext>
             </a:extLst>
           </p:cNvSpPr>
@@ -592,7 +593,7 @@
           <a:lstStyle/>
           <a:p>
             <a:pPr/>
-            <a:fld id="{0C3DA7E8-A6E1-6851-AF85-5004E9CB5905}" type="slidenum">
+            <a:fld id="{0CA78C0F-41E1-F27A-AF1F-B72FC25159E2}" type="slidenum">
               <a:t>‹#›</a:t>
             </a:fld>
           </a:p>
@@ -631,7 +632,7 @@
             <a:spLocks noGrp="1" noChangeArrowheads="1"/>
             <a:extLst>
               <a:ext uri="smNativeData">
-                <pr:smNativeData xmlns:pr="smNativeData" xmlns="smNativeData" val="SMDATA_15_D/RJaRMAAAAlAAAAZAAAAA0AAAAAkAAAAEgAAACQAAAASAAAAAAAAAACAAAAAQAAAAEAAABQAAAAAAAAAAAA4D8AAAAAAADgPwAAAAAAAOA/AAAAAAAA4D8AAAAAAADgPwAAAAAAAOA/AAAAAAAA4D8AAAAAAADgPwAAAAAAAOA/AAAAAAAA4D8CAAAAjAAAAAAAAAAAAAAAu+DjDP///wgAAAAAAAAAAAAAAAAAAAAAAAAAAAAAAAAAAAAAZAAAAAEAAABAAAAAAAAAAAAAAAAAAAAAAAAAAAAAAAAAAAAAAAAAAAAAAAAAAAAAAAAAAAAAAAAAAAAAAAAAAAAAAAAAAAAAAAAAAAAAAAAAAAAAAAAAAAAAAAAAAAAAFAAAADwAAAAAAAAAAAAAAAAAAAkUAAAAAQAAABQAAAAUAAAAFAAAAAEAAAAAAAAAZAAAAGQAAAAAAAAAZAAAAGQAAAAVAAAAYAAAAAAAAAAAAAAADwAAACADAAAAAAAAAAAAAAEAAACgMgAAVgcAAKr4//8BAAAAf39/AAEAAABkAAAAAAAAABQAAABAHwAAAAAAACYAAAAAAAAAwOD//wAAAAAmAAAAZAAAABYAAABMAAAAAAAAAAAAAAAEAAAAAAAAAAEAAACAgIAKAAAAACgAAAAoAAAAZAAAAGQAAAAAAAAAzMzMAAAAAABQAAAAUAAAAGQAAABkAAAAAAAAABcAAAAUAAAAAAAAAAAAAAD/fwAA/38AAAAAAAAJAAAABAAAAAAAAAAeAAAAaAAAAAAAAAAAAAAAAAAAAAAAAAAAAAAAECcAABAnAAAAAAAAAAAAAAAAAAAAAAAAAAAAAAAAAAAAAAAAAAAAABQAAAAAAAAAwMD/AAAAAABkAAAAMgAAAAAAAABkAAAAAAAAAH9/fwAKAAAAIgAAABgAAAAAAAAAAAAAAAAAAAAAAAAAAAAAAAAAAAAkAAAAJAAAAAAAAAAHAAAAAAAAAAAAAAAAAAAAAAAAAAAAAAAAAAAAf39/ACUAAABYAAAAAAAAAAAAAAAAAAAAAAAAAAAAAAAAAAAAAAAAAAAAAAAAAAAAAAAAAAAAAAA/AAAAAAAAAKCGAQAAAAAAAAAAAAAAAAAMAAAAAQAAAAAAAAAAAAAAAAAAAB8AAABUAAAAAAAABQAAAAEAAAAAAAAAAAAAAAAAAAAAAAAAAAAAAAAAAAAAAAAAAAAAAAJ/f38AAAAAA8zMzADAwP8Af39/AAAAAAAAAAAAAAAAAAAAAAAAAAAAIQAAABgAAAAUAAAAYDYAALABAABARwAAsCUAABAAAAAmAAAACAAAAIMQAAAAAAAA"/>
+                <pr:smNativeData xmlns:pr="smNativeData" xmlns="smNativeData" val="SMDATA_15_PhJKaRMAAAAlAAAAZAAAAA0AAAAAkAAAAEgAAACQAAAASAAAAAAAAAACAAAAAQAAAAEAAABQAAAAAAAAAAAA4D8AAAAAAADgPwAAAAAAAOA/AAAAAAAA4D8AAAAAAADgPwAAAAAAAOA/AAAAAAAA4D8AAAAAAADgPwAAAAAAAOA/AAAAAAAA4D8CAAAAjAAAAAAAAAAAAAAAu+DjDP///wgAAAAAAAAAAAAAAAAAAAAAAAAAAAAAAAAAAAAAZAAAAAEAAABAAAAAAAAAAAAAAAAAAAAAAAAAAAAAAAAAAAAAAAAAAAAAAAAAAAAAAAAAAAAAAAAAAAAAAAAAAAAAAAAAAAAAAAAAAAAAAAAAAAAAAAAAAAAAAAAAAAAAFAAAADwAAAAAAAAAAAAAAAAAAAkUAAAAAQAAABQAAAAUAAAAFAAAAAEAAAAAAAAAZAAAAGQAAAAAAAAAZAAAAGQAAAAVAAAAYAAAAAAAAAAAAAAADwAAACADAAAAAAAAAAAAAAEAAACgMgAAVgcAAKr4//8BAAAAf39/AAEAAABkAAAAAAAAABQAAABAHwAAAAAAACYAAAAAAAAAwOD//wAAAAAmAAAAZAAAABYAAABMAAAAAAAAAAAAAAAEAAAAAAAAAAEAAACAgIAKAAAAACgAAAAoAAAAZAAAAGQAAAAAAAAAzMzMAAAAAABQAAAAUAAAAGQAAABkAAAAAAAAABcAAAAUAAAAAAAAAAAAAAD/fwAA/38AAAAAAAAJAAAABAAAAAAAAAAeAAAAaAAAAAAAAAAAAAAAAAAAAAAAAAAAAAAAECcAABAnAAAAAAAAAAAAAAAAAAAAAAAAAAAAAAAAAAAAAAAAAAAAABQAAAAAAAAAwMD/AAAAAABkAAAAMgAAAAAAAABkAAAAAAAAAH9/fwAKAAAAIgAAABgAAAAAAAAAAAAAAAAAAAAAAAAAAAAAAAAAAAAkAAAAJAAAAAAAAAAHAAAAAAAAAAAAAAAAAAAAAAAAAAAAAAAAAAAAf39/ACUAAABYAAAAAAAAAAAAAAAAAAAAAAAAAAAAAAAAAAAAAAAAAAAAAAAAAAAAAAAAAAAAAAA/AAAAAAAAAKCGAQAAAAAAAAAAAAAAAAAMAAAAAQAAAAAAAAAAAAAAAAAAAB8AAABUAAAAAAAABQAAAAEAAAAAAAAAAAAAAAAAAAAAAAAAAAAAAAAAAAAAAAAAAAAAAAJ/f38AAAAAA8zMzADAwP8Af39/AAAAAAAAAAAAAAAAAAAAAAAAAAAAIQAAABgAAAAUAAAAYDYAALABAABARwAAsCUAABAAAAAmAAAACAAAAIMQAAAAAAAA"/>
               </a:ext>
             </a:extLst>
           </p:cNvSpPr>
@@ -667,7 +668,7 @@
             <a:spLocks noGrp="1" noChangeArrowheads="1"/>
             <a:extLst>
               <a:ext uri="smNativeData">
-                <pr:smNativeData xmlns:pr="smNativeData" xmlns="smNativeData" val="SMDATA_15_D/RJaRMAAAAlAAAAZAAAAA0AAAAAkAAAAEgAAACQAAAASAAAAAAAAAAAAAAAAQAAAAEAAABQAAAAAAAAAAAA4D8AAAAAAADgPwAAAAAAAOA/AAAAAAAA4D8AAAAAAADgPwAAAAAAAOA/AAAAAAAA4D8AAAAAAADgPwAAAAAAAOA/AAAAAAAA4D8CAAAAjAAAAAAAAAAAAAAAu+DjDP///wgAAAAAAAAAAAAAAAAAAAAAAAAAAAAAAAAAAAAAZAAAAAEAAABAAAAAAAAAAAAAAAAAAAAAAAAAAAAAAAAAAAAAAAAAAAAAAAAAAAAAAAAAAAAAAAAAAAAAAAAAAAAAAAAAAAAAAAAAAAAAAAAAAAAAAAAAAAAAAAAAAAAAFAAAADwAAAAAAAAAAAAAAAAAAAkUAAAAAQAAABQAAAAUAAAAFAAAAAEAAAAAAAAAZAAAAGQAAAAAAAAAZAAAAGQAAAAVAAAAYAAAAAAAAAAAAAAADwAAACADAAAAAAAAAAAAAAEAAACgMgAAVgcAAKr4//8BAAAAf39/AAEAAABkAAAAAAAAABQAAABAHwAAAAAAACYAAAAAAAAAwOD//wAAAAAmAAAAZAAAABYAAABMAAAAAAAAAAAAAAAEAAAAAAAAAAEAAACAgIAKAAAAACgAAAAoAAAAZAAAAGQAAAAAAAAAzMzMAAAAAABQAAAAUAAAAGQAAABkAAAAAAAAABcAAAAUAAAAAAAAAAAAAAD/fwAA/38AAAAAAAAJAAAABAAAAAAAAAAeAAAAaAAAAAAAAAAAAAAAAAAAAAAAAAAAAAAAECcAABAnAAAAAAAAAAAAAAAAAAAAAAAAAAAAAAAAAAAAAAAAAAAAABQAAAAAAAAAwMD/AAAAAABkAAAAMgAAAAAAAABkAAAAAAAAAH9/fwAKAAAAIgAAABgAAAAAAAAAAAAAAAAAAAAAAAAAAAAAAAAAAAAkAAAAJAAAAAAAAAAHAAAAAAAAAAAAAAAAAAAAAAAAAAAAAAAAAAAAf39/ACUAAABYAAAAAAAAAAAAAAAAAAAAAAAAAAAAAAAAAAAAAAAAAAAAAAAAAAAAAAAAAAAAAAA/AAAAAAAAAKCGAQAAAAAAAAAAAAAAAAAMAAAAAQAAAAAAAAAAAAAAAAAAAB8AAABUAAAAAAAABQAAAAEAAAAAAAAAAAAAAAAAAAAAAAAAAAAAAAAAAAAAAAAAAAAAAAJ/f38AAAAAA8zMzADAwP8Af39/AAAAAAAAAAAAAAAAAAAAAAAAAAAAIQAAABgAAAAUAAAAwAMAALABAAAfNQAAsCUAABAAAAAmAAAACAAAAAMQAAAAAAAA"/>
+                <pr:smNativeData xmlns:pr="smNativeData" xmlns="smNativeData" val="SMDATA_15_PhJKaRMAAAAlAAAAZAAAAA0AAAAAkAAAAEgAAACQAAAASAAAAAAAAAAAAAAAAQAAAAEAAABQAAAAAAAAAAAA4D8AAAAAAADgPwAAAAAAAOA/AAAAAAAA4D8AAAAAAADgPwAAAAAAAOA/AAAAAAAA4D8AAAAAAADgPwAAAAAAAOA/AAAAAAAA4D8CAAAAjAAAAAAAAAAAAAAAu+DjDP///wgAAAAAAAAAAAAAAAAAAAAAAAAAAAAAAAAAAAAAZAAAAAEAAABAAAAAAAAAAAAAAAAAAAAAAAAAAAAAAAAAAAAAAAAAAAAAAAAAAAAAAAAAAAAAAAAAAAAAAAAAAAAAAAAAAAAAAAAAAAAAAAAAAAAAAAAAAAAAAAAAAAAAFAAAADwAAAAAAAAAAAAAAAAAAAkUAAAAAQAAABQAAAAUAAAAFAAAAAEAAAAAAAAAZAAAAGQAAAAAAAAAZAAAAGQAAAAVAAAAYAAAAAAAAAAAAAAADwAAACADAAAAAAAAAAAAAAEAAACgMgAAVgcAAKr4//8BAAAAf39/AAEAAABkAAAAAAAAABQAAABAHwAAAAAAACYAAAAAAAAAwOD//wAAAAAmAAAAZAAAABYAAABMAAAAAAAAAAAAAAAEAAAAAAAAAAEAAACAgIAKAAAAACgAAAAoAAAAZAAAAGQAAAAAAAAAzMzMAAAAAABQAAAAUAAAAGQAAABkAAAAAAAAABcAAAAUAAAAAAAAAAAAAAD/fwAA/38AAAAAAAAJAAAABAAAAAAAAAAeAAAAaAAAAAAAAAAAAAAAAAAAAAAAAAAAAAAAECcAABAnAAAAAAAAAAAAAAAAAAAAAAAAAAAAAAAAAAAAAAAAAAAAABQAAAAAAAAAwMD/AAAAAABkAAAAMgAAAAAAAABkAAAAAAAAAH9/fwAKAAAAIgAAABgAAAAAAAAAAAAAAAAAAAAAAAAAAAAAAAAAAAAkAAAAJAAAAAAAAAAHAAAAAAAAAAAAAAAAAAAAAAAAAAAAAAAAAAAAf39/ACUAAABYAAAAAAAAAAAAAAAAAAAAAAAAAAAAAAAAAAAAAAAAAAAAAAAAAAAAAAAAAAAAAAA/AAAAAAAAAKCGAQAAAAAAAAAAAAAAAAAMAAAAAQAAAAAAAAAAAAAAAAAAAB8AAABUAAAAAAAABQAAAAEAAAAAAAAAAAAAAAAAAAAAAAAAAAAAAAAAAAAAAAAAAAAAAAJ/f38AAAAAA8zMzADAwP8Af39/AAAAAAAAAAAAAAAAAAAAAAAAAAAAIQAAABgAAAAUAAAAwAMAALABAAAfNQAAsCUAABAAAAAmAAAACAAAAAMQAAAAAAAA"/>
               </a:ext>
             </a:extLst>
           </p:cNvSpPr>
@@ -727,7 +728,7 @@
             <a:spLocks noGrp="1" noChangeArrowheads="1"/>
             <a:extLst>
               <a:ext uri="smNativeData">
-                <pr:smNativeData xmlns:pr="smNativeData" xmlns="smNativeData" val="SMDATA_15_D/RJaRMAAAAlAAAAZAAAAA0AAAAAkAAAAEgAAACQAAAASAAAAAAAAAABAAAAAAAAAAEAAABQAAAAAAAAAAAA4D8AAAAAAADgPwAAAAAAAOA/AAAAAAAA4D8AAAAAAADgPwAAAAAAAOA/AAAAAAAA4D8AAAAAAADgPwAAAAAAAOA/AAAAAAAA4D8CAAAAjAAAAAAAAAAAAAAAu+DjDP///wgAAAAAAAAAAAAAAAAAAAAAAAAAAAAAAAAAAAAAZAAAAAEAAABAAAAAAAAAAAAAAAAAAAAAAAAAAAAAAAAAAAAAAAAAAAAAAAAAAAAAAAAAAAAAAAAAAAAAAAAAAAAAAAAAAAAAAAAAAAAAAAAAAAAAAAAAAAAAAAAAAAAAFAAAADwAAAAAAAAAAAAAAAAAAAkUAAAAAQAAABQAAAAUAAAAFAAAAAEAAAAAAAAAZAAAAGQAAAAAAAAAZAAAAGQAAAAVAAAAYAAAAAAAAAAAAAAADwAAACADAAAAAAAAAAAAAAEAAACgMgAAVgcAAKr4//8BAAAAf39/AAEAAABkAAAAAAAAABQAAABAHwAAAAAAACYAAAAAAAAAwOD//wAAAAAmAAAAZAAAABYAAABMAAAAAAAAAAAAAAAEAAAAAAAAAAEAAACAgIAKAAAAACgAAAAoAAAAZAAAAGQAAAAAAAAAzMzMAAAAAABQAAAAUAAAAGQAAABkAAAAAAAAABcAAAAUAAAAAAAAAAAAAAD/fwAA/38AAAAAAAAJAAAABAAAAAAAAAAeAAAAaAAAAAAAAAAAAAAAAAAAAAAAAAAAAAAAECcAABAnAAAAAAAAAAAAAAAAAAAAAAAAAAAAAAAAAAAAAAAAAAAAABQAAAAAAAAAwMD/AAAAAABkAAAAMgAAAAAAAABkAAAAAAAAAH9/fwAKAAAAIgAAABgAAAAAAAAAAAAAAAAAAAAAAAAAAAAAAAAAAAAkAAAAJAAAAAAAAAAHAAAAAAAAAAAAAAAAAAAAAAAAAAAAAAAAAAAAf39/ACUAAABYAAAAAAAAAAAAAAAAAAAAAAAAAAAAAAAAAAAAAAAAAAAAAAAAAAAAAAAAAAAAAAA/AAAAAAAAAKCGAQAAAAAAAAAAAAAAAAAMAAAAAQAAAAAAAAAAAAAAAAAAAB8AAABUAAAAAAAABQAAAAEAAAAAAAAAAAAAAAAAAAAAAAAAAAAAAAAAAAAAAAAAAAAAAAJ/f38AAAAAA8zMzADAwP8Af39/AAAAAAAAAAAAAAAAAAAAAAAAAAAAIQAAABgAAAAUAAAAwAMAABsnAAA/FQAAWSkAABAAAAAmAAAACAAAAAAAAAAAAAAA"/>
+                <pr:smNativeData xmlns:pr="smNativeData" xmlns="smNativeData" val="SMDATA_15_PhJKaRMAAAAlAAAAZAAAAA0AAAAAkAAAAEgAAACQAAAASAAAAAAAAAABAAAAAAAAAAEAAABQAAAAAAAAAAAA4D8AAAAAAADgPwAAAAAAAOA/AAAAAAAA4D8AAAAAAADgPwAAAAAAAOA/AAAAAAAA4D8AAAAAAADgPwAAAAAAAOA/AAAAAAAA4D8CAAAAjAAAAAAAAAAAAAAAu+DjDP///wgAAAAAAAAAAAAAAAAAAAAAAAAAAAAAAAAAAAAAZAAAAAEAAABAAAAAAAAAAAAAAAAAAAAAAAAAAAAAAAAAAAAAAAAAAAAAAAAAAAAAAAAAAAAAAAAAAAAAAAAAAAAAAAAAAAAAAAAAAAAAAAAAAAAAAAAAAAAAAAAAAAAAFAAAADwAAAAAAAAAAAAAAAAAAAkUAAAAAQAAABQAAAAUAAAAFAAAAAEAAAAAAAAAZAAAAGQAAAAAAAAAZAAAAGQAAAAVAAAAYAAAAAAAAAAAAAAADwAAACADAAAAAAAAAAAAAAEAAACgMgAAVgcAAKr4//8BAAAAf39/AAEAAABkAAAAAAAAABQAAABAHwAAAAAAACYAAAAAAAAAwOD//wAAAAAmAAAAZAAAABYAAABMAAAAAAAAAAAAAAAEAAAAAAAAAAEAAACAgIAKAAAAACgAAAAoAAAAZAAAAGQAAAAAAAAAzMzMAAAAAABQAAAAUAAAAGQAAABkAAAAAAAAABcAAAAUAAAAAAAAAAAAAAD/fwAA/38AAAAAAAAJAAAABAAAAAAAAAAeAAAAaAAAAAAAAAAAAAAAAAAAAAAAAAAAAAAAECcAABAnAAAAAAAAAAAAAAAAAAAAAAAAAAAAAAAAAAAAAAAAAAAAABQAAAAAAAAAwMD/AAAAAABkAAAAMgAAAAAAAABkAAAAAAAAAH9/fwAKAAAAIgAAABgAAAAAAAAAAAAAAAAAAAAAAAAAAAAAAAAAAAAkAAAAJAAAAAAAAAAHAAAAAAAAAAAAAAAAAAAAAAAAAAAAAAAAAAAAf39/ACUAAABYAAAAAAAAAAAAAAAAAAAAAAAAAAAAAAAAAAAAAAAAAAAAAAAAAAAAAAAAAAAAAAA/AAAAAAAAAKCGAQAAAAAAAAAAAAAAAAAMAAAAAQAAAAAAAAAAAAAAAAAAAB8AAABUAAAAAAAABQAAAAEAAAAAAAAAAAAAAAAAAAAAAAAAAAAAAAAAAAAAAAAAAAAAAAJ/f38AAAAAA8zMzADAwP8Af39/AAAAAAAAAAAAAAAAAAAAAAAAAAAAIQAAABgAAAAUAAAAwAMAABsnAAA/FQAAWSkAABAAAAAmAAAACAAAAAAAAAAAAAAA"/>
               </a:ext>
             </a:extLst>
           </p:cNvSpPr>
@@ -741,7 +742,7 @@
           <a:lstStyle/>
           <a:p>
             <a:pPr/>
-            <a:fld id="{0C3DED3E-70E1-681B-AF85-864EA3CB59D3}" type="datetime1">
+            <a:fld id="{0CA7B96F-21E1-F24F-AF1F-D71AF7515982}" type="datetime1">
               <a:t>12/16/2025</a:t>
             </a:fld>
           </a:p>
@@ -754,7 +755,7 @@
             <a:spLocks noGrp="1" noChangeArrowheads="1"/>
             <a:extLst>
               <a:ext uri="smNativeData">
-                <pr:smNativeData xmlns:pr="smNativeData" xmlns="smNativeData" val="SMDATA_15_D/RJaRMAAAAlAAAAZAAAAA0AAAAAkAAAAEgAAACQAAAASAAAAAAAAAABAAAAAAAAAAEAAABQAAAAAAAAAAAA4D8AAAAAAADgPwAAAAAAAOA/AAAAAAAA4D8AAAAAAADgPwAAAAAAAOA/AAAAAAAA4D8AAAAAAADgPwAAAAAAAOA/AAAAAAAA4D8CAAAAjAAAAAAAAAAAAAAAu+DjDP///wgAAAAAAAAAAAAAAAAAAAAAAAAAAAAAAAAAAAAAZAAAAAEAAABAAAAAAAAAAAAAAAAAAAAAAAAAAAAAAAAAAAAAAAAAAAAAAAAAAAAAAAAAAAAAAAAAAAAAAAAAAAAAAAAAAAAAAAAAAAAAAAAAAAAAAAAAAAAAAAAAAAAAFAAAADwAAAAAAAAAAAAAAAAAAAkUAAAAAQAAABQAAAAUAAAAFAAAAAEAAAAAAAAAZAAAAGQAAAAAAAAAZAAAAGQAAAAVAAAAYAAAAAAAAAAAAAAADwAAACADAAAAAAAAAAAAAAEAAACgMgAAVgcAAKr4//8BAAAAf39/AAEAAABkAAAAAAAAABQAAABAHwAAAAAAACYAAAAAAAAAwOD//wAAAAAmAAAAZAAAABYAAABMAAAAAAAAAAAAAAAEAAAAAAAAAAEAAACAgIAKAAAAACgAAAAoAAAAZAAAAGQAAAAAAAAAzMzMAAAAAABQAAAAUAAAAGQAAABkAAAAAAAAABcAAAAUAAAAAAAAAAAAAAD/fwAA/38AAAAAAAAJAAAABAAAAAAAAAAeAAAAaAAAAAAAAAAAAAAAAAAAAAAAAAAAAAAAECcAABAnAAAAAAAAAAAAAAAAAAAAAAAAAAAAAAAAAAAAAAAAAAAAABQAAAAAAAAAwMD/AAAAAABkAAAAMgAAAAAAAABkAAAAAAAAAH9/fwAKAAAAIgAAABgAAAAAAAAAAAAAAAAAAAAAAAAAAAAAAAAAAAAkAAAAJAAAAAAAAAAHAAAAAAAAAAAAAAAAAAAAAAAAAAAAAAAAAAAAf39/ACUAAABYAAAAAAAAAAAAAAAAAAAAAAAAAAAAAAAAAAAAAAAAAAAAAAAAAAAAAAAAAAAAAAA/AAAAAAAAAKCGAQAAAAAAAAAAAAAAAAAMAAAAAQAAAAAAAAAAAAAAAAAAAB8AAABUAAAAAAAABQAAAAEAAAAAAAAAAAAAAAAAAAAAAAAAAAAAAAAAAAAAAAAAAAAAAAJ/f38AAAAAA8zMzADAwP8Af39/AAAAAAAAAAAAAAAAAAAAAAAAAAAAIQAAABgAAAAUAAAAoRkAABsnAABfMQAAWSkAABAAAAAmAAAACAAAAAAAAAAAAAAA"/>
+                <pr:smNativeData xmlns:pr="smNativeData" xmlns="smNativeData" val="SMDATA_15_PhJKaRMAAAAlAAAAZAAAAA0AAAAAkAAAAEgAAACQAAAASAAAAAAAAAABAAAAAAAAAAEAAABQAAAAAAAAAAAA4D8AAAAAAADgPwAAAAAAAOA/AAAAAAAA4D8AAAAAAADgPwAAAAAAAOA/AAAAAAAA4D8AAAAAAADgPwAAAAAAAOA/AAAAAAAA4D8CAAAAjAAAAAAAAAAAAAAAu+DjDP///wgAAAAAAAAAAAAAAAAAAAAAAAAAAAAAAAAAAAAAZAAAAAEAAABAAAAAAAAAAAAAAAAAAAAAAAAAAAAAAAAAAAAAAAAAAAAAAAAAAAAAAAAAAAAAAAAAAAAAAAAAAAAAAAAAAAAAAAAAAAAAAAAAAAAAAAAAAAAAAAAAAAAAFAAAADwAAAAAAAAAAAAAAAAAAAkUAAAAAQAAABQAAAAUAAAAFAAAAAEAAAAAAAAAZAAAAGQAAAAAAAAAZAAAAGQAAAAVAAAAYAAAAAAAAAAAAAAADwAAACADAAAAAAAAAAAAAAEAAACgMgAAVgcAAKr4//8BAAAAf39/AAEAAABkAAAAAAAAABQAAABAHwAAAAAAACYAAAAAAAAAwOD//wAAAAAmAAAAZAAAABYAAABMAAAAAAAAAAAAAAAEAAAAAAAAAAEAAACAgIAKAAAAACgAAAAoAAAAZAAAAGQAAAAAAAAAzMzMAAAAAABQAAAAUAAAAGQAAABkAAAAAAAAABcAAAAUAAAAAAAAAAAAAAD/fwAA/38AAAAAAAAJAAAABAAAAAAAAAAeAAAAaAAAAAAAAAAAAAAAAAAAAAAAAAAAAAAAECcAABAnAAAAAAAAAAAAAAAAAAAAAAAAAAAAAAAAAAAAAAAAAAAAABQAAAAAAAAAwMD/AAAAAABkAAAAMgAAAAAAAABkAAAAAAAAAH9/fwAKAAAAIgAAABgAAAAAAAAAAAAAAAAAAAAAAAAAAAAAAAAAAAAkAAAAJAAAAAAAAAAHAAAAAAAAAAAAAAAAAAAAAAAAAAAAAAAAAAAAf39/ACUAAABYAAAAAAAAAAAAAAAAAAAAAAAAAAAAAAAAAAAAAAAAAAAAAAAAAAAAAAAAAAAAAAA/AAAAAAAAAKCGAQAAAAAAAAAAAAAAAAAMAAAAAQAAAAAAAAAAAAAAAAAAAB8AAABUAAAAAAAABQAAAAEAAAAAAAAAAAAAAAAAAAAAAAAAAAAAAAAAAAAAAAAAAAAAAAJ/f38AAAAAA8zMzADAwP8Af39/AAAAAAAAAAAAAAAAAAAAAAAAAAAAIQAAABgAAAAUAAAAoRkAABsnAABfMQAAWSkAABAAAAAmAAAACAAAAAAAAAAAAAAA"/>
               </a:ext>
             </a:extLst>
           </p:cNvSpPr>
@@ -778,7 +779,7 @@
             <a:spLocks noGrp="1" noChangeArrowheads="1"/>
             <a:extLst>
               <a:ext uri="smNativeData">
-                <pr:smNativeData xmlns:pr="smNativeData" xmlns="smNativeData" val="SMDATA_15_D/RJaRMAAAAlAAAAZAAAAA0AAAAAkAAAAEgAAACQAAAASAAAAAAAAAABAAAAAAAAAAEAAABQAAAAAAAAAAAA4D8AAAAAAADgPwAAAAAAAOA/AAAAAAAA4D8AAAAAAADgPwAAAAAAAOA/AAAAAAAA4D8AAAAAAADgPwAAAAAAAOA/AAAAAAAA4D8CAAAAjAAAAAAAAAAAAAAAu+DjDP///wgAAAAAAAAAAAAAAAAAAAAAAAAAAAAAAAAAAAAAZAAAAAEAAABAAAAAAAAAAAAAAAAAAAAAAAAAAAAAAAAAAAAAAAAAAAAAAAAAAAAAAAAAAAAAAAAAAAAAAAAAAAAAAAAAAAAAAAAAAAAAAAAAAAAAAAAAAAAAAAAAAAAAFAAAADwAAAAAAAAAAAAAAAAAAAkUAAAAAQAAABQAAAAUAAAAFAAAAAEAAAAAAAAAZAAAAGQAAAAAAAAAZAAAAGQAAAAVAAAAYAAAAAAAAAAAAAAADwAAACADAAAAAAAAAAAAAAEAAACgMgAAVgcAAKr4//8BAAAAf39/AAEAAABkAAAAAAAAABQAAABAHwAAAAAAACYAAAAAAAAAwOD//wAAAAAmAAAAZAAAABYAAABMAAAAAAAAAAAAAAAEAAAAAAAAAAEAAACAgIAKAAAAACgAAAAoAAAAZAAAAGQAAAAAAAAAzMzMAAAAAABQAAAAUAAAAGQAAABkAAAAAAAAABcAAAAUAAAAAAAAAAAAAAD/fwAA/38AAAAAAAAJAAAABAAAAAAAAAAeAAAAaAAAAAAAAAAAAAAAAAAAAAAAAAAAAAAAECcAABAnAAAAAAAAAAAAAAAAAAAAAAAAAAAAAAAAAAAAAAAAAAAAABQAAAAAAAAAwMD/AAAAAABkAAAAMgAAAAAAAABkAAAAAAAAAH9/fwAKAAAAIgAAABgAAAAAAAAAAAAAAAAAAAAAAAAAAAAAAAAAAAAkAAAAJAAAAAAAAAAHAAAAAAAAAAAAAAAAAAAAAAAAAAAAAAAAAAAAf39/ACUAAABYAAAAAAAAAAAAAAAAAAAAAAAAAAAAAAAAAAAAAAAAAAAAAAAAAAAAAAAAAAAAAAA/AAAAAAAAAKCGAQAAAAAAAAAAAAAAAAAMAAAAAQAAAAAAAAAAAAAAAAAAAB8AAABUAAAAAAAABQAAAAEAAAAAAAAAAAAAAAAAAAAAAAAAAAAAAAAAAAAAAAAAAAAAAAJ/f38AAAAAA8zMzADAwP8Af39/AAAAAAAAAAAAAAAAAAAAAAAAAAAAIQAAABgAAAAUAAAAwTUAABsnAABARwAAWSkAABAAAAAmAAAACAAAAAAAAAAAAAAA"/>
+                <pr:smNativeData xmlns:pr="smNativeData" xmlns="smNativeData" val="SMDATA_15_PhJKaRMAAAAlAAAAZAAAAA0AAAAAkAAAAEgAAACQAAAASAAAAAAAAAABAAAAAAAAAAEAAABQAAAAAAAAAAAA4D8AAAAAAADgPwAAAAAAAOA/AAAAAAAA4D8AAAAAAADgPwAAAAAAAOA/AAAAAAAA4D8AAAAAAADgPwAAAAAAAOA/AAAAAAAA4D8CAAAAjAAAAAAAAAAAAAAAu+DjDP///wgAAAAAAAAAAAAAAAAAAAAAAAAAAAAAAAAAAAAAZAAAAAEAAABAAAAAAAAAAAAAAAAAAAAAAAAAAAAAAAAAAAAAAAAAAAAAAAAAAAAAAAAAAAAAAAAAAAAAAAAAAAAAAAAAAAAAAAAAAAAAAAAAAAAAAAAAAAAAAAAAAAAAFAAAADwAAAAAAAAAAAAAAAAAAAkUAAAAAQAAABQAAAAUAAAAFAAAAAEAAAAAAAAAZAAAAGQAAAAAAAAAZAAAAGQAAAAVAAAAYAAAAAAAAAAAAAAADwAAACADAAAAAAAAAAAAAAEAAACgMgAAVgcAAKr4//8BAAAAf39/AAEAAABkAAAAAAAAABQAAABAHwAAAAAAACYAAAAAAAAAwOD//wAAAAAmAAAAZAAAABYAAABMAAAAAAAAAAAAAAAEAAAAAAAAAAEAAACAgIAKAAAAACgAAAAoAAAAZAAAAGQAAAAAAAAAzMzMAAAAAABQAAAAUAAAAGQAAABkAAAAAAAAABcAAAAUAAAAAAAAAAAAAAD/fwAA/38AAAAAAAAJAAAABAAAAAAAAAAeAAAAaAAAAAAAAAAAAAAAAAAAAAAAAAAAAAAAECcAABAnAAAAAAAAAAAAAAAAAAAAAAAAAAAAAAAAAAAAAAAAAAAAABQAAAAAAAAAwMD/AAAAAABkAAAAMgAAAAAAAABkAAAAAAAAAH9/fwAKAAAAIgAAABgAAAAAAAAAAAAAAAAAAAAAAAAAAAAAAAAAAAAkAAAAJAAAAAAAAAAHAAAAAAAAAAAAAAAAAAAAAAAAAAAAAAAAAAAAf39/ACUAAABYAAAAAAAAAAAAAAAAAAAAAAAAAAAAAAAAAAAAAAAAAAAAAAAAAAAAAAAAAAAAAAA/AAAAAAAAAKCGAQAAAAAAAAAAAAAAAAAMAAAAAQAAAAAAAAAAAAAAAAAAAB8AAABUAAAAAAAABQAAAAEAAAAAAAAAAAAAAAAAAAAAAAAAAAAAAAAAAAAAAAAAAAAAAAJ/f38AAAAAA8zMzADAwP8Af39/AAAAAAAAAAAAAAAAAAAAAAAAAAAAIQAAABgAAAAUAAAAwTUAABsnAABARwAAWSkAABAAAAAmAAAACAAAAAAAAAAAAAAA"/>
               </a:ext>
             </a:extLst>
           </p:cNvSpPr>
@@ -792,7 +793,7 @@
           <a:lstStyle/>
           <a:p>
             <a:pPr/>
-            <a:fld id="{0C3D93DB-95E1-6865-AF85-6330DDCB5936}" type="slidenum">
+            <a:fld id="{0CA7E6B5-FBE1-F210-AF1F-0D45A8515958}" type="slidenum">
               <a:t>‹#›</a:t>
             </a:fld>
           </a:p>
@@ -831,7 +832,7 @@
             <a:spLocks noGrp="1" noChangeArrowheads="1"/>
             <a:extLst>
               <a:ext uri="smNativeData">
-                <pr:smNativeData xmlns:pr="smNativeData" xmlns="smNativeData" val="SMDATA_15_D/RJaRMAAAAlAAAAZAAAAA0AAAAAkAAAAEgAAACQAAAASAAAAAAAAAABAAAAAAAAAAEAAABQAAAAAAAAAAAA4D8AAAAAAADgPwAAAAAAAOA/AAAAAAAA4D8AAAAAAADgPwAAAAAAAOA/AAAAAAAA4D8AAAAAAADgPwAAAAAAAOA/AAAAAAAA4D8CAAAAjAAAAAAAAAAAAAAAu+DjDP///wgAAAAAAAAAAAAAAAAAAAAAAAAAAAAAAAAAAAAAZAAAAAEAAABAAAAAAAAAAAAAAAAAAAAAAAAAAAAAAAAAAAAAAAAAAAAAAAAAAAAAAAAAAAAAAAAAAAAAAAAAAAAAAAAAAAAAAAAAAAAAAAAAAAAAAAAAAAAAAAAAAAAAFAAAADwAAAAAAAAAAAAAAAAAAAkUAAAAAQAAABQAAAAUAAAAFAAAAAEAAAAAAAAAZAAAAGQAAAAAAAAAZAAAAGQAAAAVAAAAYAAAAAAAAAAAAAAADwAAACADAAAAAAAAAAAAAAEAAACgMgAAVgcAAKr4//8BAAAAf39/AAEAAABkAAAAAAAAABQAAABAHwAAAAAAACYAAAAAAAAAwOD//wAAAAAmAAAAZAAAABYAAABMAAAAAAAAAAAAAAAEAAAAAAAAAAEAAACAgIAKAAAAACgAAAAoAAAAZAAAAGQAAAAAAAAAzMzMAAAAAABQAAAAUAAAAGQAAABkAAAAAAAAABcAAAAUAAAAAAAAAAAAAAD/fwAA/38AAAAAAAAJAAAABAAAAAQAAAAeAAAAaAAAAAAAAAAAAAAAAAAAAAAAAAAAAAAAECcAABAnAAAAAAAAAAAAAAAAAAAAAAAAAAAAAAAAAAAAAAAAAAAAABQAAAAAAAAAwMD/AAAAAABkAAAAMgAAAAAAAABkAAAAAAAAAH9/fwAKAAAAIgAAABgAAAAAAAAAAAAAAAAAAAAAAAAAAAAAAAAAAAAkAAAAJAAAAAAAAAAHAAAAAAAAAAAAAAAAAAAAAAAAAAAAAAAAAAAAf39/ACUAAABYAAAAAAAAAAAAAAAAAAAAAAAAAAAAAAAAAAAAAAAAAAAAAAAAAAAAAAAAAAAAAAA/AAAAAAAAAKCGAQAAAAAAAAAAAAAAAAAMAAAAAQAAAAAAAAAAAAAAAAAAAB8AAABUAAAAAAAABQAAAAEAAAAAAAAAAAAAAAAAAAAAAAAAAAAAAAAAAAAAAAAAAAAAAAJ/f38AAAAAA8zMzADAwP8Af39/AAAAAAAAAAAAAAAAAAAAAAAAAAAAIQAAABgAAAAUAAAAwAMAALABAABARwAAuAgAABAAAAAmAAAACAAAAAAAAAAAAAAA"/>
+                <pr:smNativeData xmlns:pr="smNativeData" xmlns="smNativeData" val="SMDATA_15_PhJKaRMAAAAlAAAAZAAAAA0AAAAAkAAAAEgAAACQAAAASAAAAAAAAAABAAAAAAAAAAEAAABQAAAAAAAAAAAA4D8AAAAAAADgPwAAAAAAAOA/AAAAAAAA4D8AAAAAAADgPwAAAAAAAOA/AAAAAAAA4D8AAAAAAADgPwAAAAAAAOA/AAAAAAAA4D8CAAAAjAAAAAAAAAAAAAAAu+DjDP///wgAAAAAAAAAAAAAAAAAAAAAAAAAAAAAAAAAAAAAZAAAAAEAAABAAAAAAAAAAAAAAAAAAAAAAAAAAAAAAAAAAAAAAAAAAAAAAAAAAAAAAAAAAAAAAAAAAAAAAAAAAAAAAAAAAAAAAAAAAAAAAAAAAAAAAAAAAAAAAAAAAAAAFAAAADwAAAAAAAAAAAAAAAAAAAkUAAAAAQAAABQAAAAUAAAAFAAAAAEAAAAAAAAAZAAAAGQAAAAAAAAAZAAAAGQAAAAVAAAAYAAAAAAAAAAAAAAADwAAACADAAAAAAAAAAAAAAEAAACgMgAAVgcAAKr4//8BAAAAf39/AAEAAABkAAAAAAAAABQAAABAHwAAAAAAACYAAAAAAAAAwOD//wAAAAAmAAAAZAAAABYAAABMAAAAAAAAAAAAAAAEAAAAAAAAAAEAAACAgIAKAAAAACgAAAAoAAAAZAAAAGQAAAAAAAAAzMzMAAAAAABQAAAAUAAAAGQAAABkAAAAAAAAABcAAAAUAAAAAAAAAAAAAAD/fwAA/38AAAAAAAAJAAAABAAAAAQAAAAeAAAAaAAAAAAAAAAAAAAAAAAAAAAAAAAAAAAAECcAABAnAAAAAAAAAAAAAAAAAAAAAAAAAAAAAAAAAAAAAAAAAAAAABQAAAAAAAAAwMD/AAAAAABkAAAAMgAAAAAAAABkAAAAAAAAAH9/fwAKAAAAIgAAABgAAAAAAAAAAAAAAAAAAAAAAAAAAAAAAAAAAAAkAAAAJAAAAAAAAAAHAAAAAAAAAAAAAAAAAAAAAAAAAAAAAAAAAAAAf39/ACUAAABYAAAAAAAAAAAAAAAAAAAAAAAAAAAAAAAAAAAAAAAAAAAAAAAAAAAAAAAAAAAAAAA/AAAAAAAAAKCGAQAAAAAAAAAAAAAAAAAMAAAAAQAAAAAAAAAAAAAAAAAAAB8AAABUAAAAAAAABQAAAAEAAAAAAAAAAAAAAAAAAAAAAAAAAAAAAAAAAAAAAAAAAAAAAAJ/f38AAAAAA8zMzADAwP8Af39/AAAAAAAAAAAAAAAAAAAAAAAAAAAAIQAAABgAAAAUAAAAwAMAALABAABARwAAuAgAABAAAAAmAAAACAAAAAAAAAAAAAAA"/>
               </a:ext>
             </a:extLst>
           </p:cNvSpPr>
@@ -858,7 +859,7 @@
             <a:spLocks noGrp="1" noChangeArrowheads="1"/>
             <a:extLst>
               <a:ext uri="smNativeData">
-                <pr:smNativeData xmlns:pr="smNativeData" xmlns="smNativeData" val="SMDATA_15_D/RJaRMAAAAlAAAAZAAAAA0AAAAAkAAAAEgAAACQAAAASAAAAAAAAAAAAAAAAAAAAAEAAABQAAAAAAAAAAAA4D8AAAAAAADgPwAAAAAAAOA/AAAAAAAA4D8AAAAAAADgPwAAAAAAAOA/AAAAAAAA4D8AAAAAAADgPwAAAAAAAOA/AAAAAAAA4D8CAAAAjAAAAAAAAAAAAAAAu+DjDP///wgAAAAAAAAAAAAAAAAAAAAAAAAAAAAAAAAAAAAAZAAAAAEAAABAAAAAAAAAAAAAAAAAAAAAAAAAAAAAAAAAAAAAAAAAAAAAAAAAAAAAAAAAAAAAAAAAAAAAAAAAAAAAAAAAAAAAAAAAAAAAAAAAAAAAAAAAAAAAAAAAAAAAFAAAADwAAAAAAAAAAAAAAAAAAAkUAAAAAQAAABQAAAAUAAAAFAAAAAEAAAAAAAAAZAAAAGQAAAAAAAAAZAAAAGQAAAAVAAAAYAAAAAAAAAAAAAAADwAAACADAAAAAAAAAAAAAAEAAACgMgAAVgcAAKr4//8BAAAAf39/AAEAAABkAAAAAAAAABQAAABAHwAAAAAAACYAAAAAAAAAwOD//wAAAAAmAAAAZAAAABYAAABMAAAAAAAAAAAAAAAEAAAAAAAAAAEAAACAgIAKAAAAACgAAAAoAAAAZAAAAGQAAAAAAAAAzMzMAAAAAABQAAAAUAAAAGQAAABkAAAAAAAAABcAAAAUAAAAAAAAAAAAAAD/fwAA/38AAAAAAAAJAAAABAAAAMDcrwIeAAAAaAAAAAAAAAAAAAAAAAAAAAAAAAAAAAAAECcAABAnAAAAAAAAAAAAAAAAAAAAAAAAAAAAAAAAAAAAAAAAAAAAABQAAAAAAAAAwMD/AAAAAABkAAAAMgAAAAAAAABkAAAAAAAAAH9/fwAKAAAAIgAAABgAAAAAAAAAAAAAAAAAAAAAAAAAAAAAAAAAAAAkAAAAJAAAAAAAAAAHAAAAAAAAAAAAAAAAAAAAAAAAAAAAAAAAAAAAf39/ACUAAABYAAAAAAAAAAAAAAAAAAAAAAAAAAAAAAAAAAAAAAAAAAAAAAAAAAAAAAAAAAAAAAA/AAAAAAAAAKCGAQAAAAAAAAAAAAAAAAAMAAAAAQAAAAAAAAAAAAAAAAAAAB8AAABUAAAAAAAABQAAAAEAAAAAAAAAAAAAAAAAAAAAAAAAAAAAAAAAAAAAAAAAAAAAAAJ/f38AAAAAA8zMzADAwP8Af39/AAAAAAAAAAAAAAAAAAAAAAAAAAAAIQAAABgAAAAUAAAAwAMAANgJAABARwAAsCUAABAAAAAmAAAACAAAAAAAAAAAAAAA"/>
+                <pr:smNativeData xmlns:pr="smNativeData" xmlns="smNativeData" val="SMDATA_15_PhJKaRMAAAAlAAAAZAAAAA0AAAAAkAAAAEgAAACQAAAASAAAAAAAAAAAAAAAAAAAAAEAAABQAAAAAAAAAAAA4D8AAAAAAADgPwAAAAAAAOA/AAAAAAAA4D8AAAAAAADgPwAAAAAAAOA/AAAAAAAA4D8AAAAAAADgPwAAAAAAAOA/AAAAAAAA4D8CAAAAjAAAAAAAAAAAAAAAu+DjDP///wgAAAAAAAAAAAAAAAAAAAAAAAAAAAAAAAAAAAAAZAAAAAEAAABAAAAAAAAAAAAAAAAAAAAAAAAAAAAAAAAAAAAAAAAAAAAAAAAAAAAAAAAAAAAAAAAAAAAAAAAAAAAAAAAAAAAAAAAAAAAAAAAAAAAAAAAAAAAAAAAAAAAAFAAAADwAAAAAAAAAAAAAAAAAAAkUAAAAAQAAABQAAAAUAAAAFAAAAAEAAAAAAAAAZAAAAGQAAAAAAAAAZAAAAGQAAAAVAAAAYAAAAAAAAAAAAAAADwAAACADAAAAAAAAAAAAAAEAAACgMgAAVgcAAKr4//8BAAAAf39/AAEAAABkAAAAAAAAABQAAABAHwAAAAAAACYAAAAAAAAAwOD//wAAAAAmAAAAZAAAABYAAABMAAAAAAAAAAAAAAAEAAAAAAAAAAEAAACAgIAKAAAAACgAAAAoAAAAZAAAAGQAAAAAAAAAzMzMAAAAAABQAAAAUAAAAGQAAABkAAAAAAAAABcAAAAUAAAAAAAAAAAAAAD/fwAA/38AAAAAAAAJAAAABAAAAMDcrwIeAAAAaAAAAAAAAAAAAAAAAAAAAAAAAAAAAAAAECcAABAnAAAAAAAAAAAAAAAAAAAAAAAAAAAAAAAAAAAAAAAAAAAAABQAAAAAAAAAwMD/AAAAAABkAAAAMgAAAAAAAABkAAAAAAAAAH9/fwAKAAAAIgAAABgAAAAAAAAAAAAAAAAAAAAAAAAAAAAAAAAAAAAkAAAAJAAAAAAAAAAHAAAAAAAAAAAAAAAAAAAAAAAAAAAAAAAAAAAAf39/ACUAAABYAAAAAAAAAAAAAAAAAAAAAAAAAAAAAAAAAAAAAAAAAAAAAAAAAAAAAAAAAAAAAAA/AAAAAAAAAKCGAQAAAAAAAAAAAAAAAAAMAAAAAQAAAAAAAAAAAAAAAAAAAB8AAABUAAAAAAAABQAAAAEAAAAAAAAAAAAAAAAAAAAAAAAAAAAAAAAAAAAAAAAAAAAAAAJ/f38AAAAAA8zMzADAwP8Af39/AAAAAAAAAAAAAAAAAAAAAAAAAAAAIQAAABgAAAAUAAAAwAMAANgJAABARwAAsCUAABAAAAAmAAAACAAAAAAAAAAAAAAA"/>
               </a:ext>
             </a:extLst>
           </p:cNvSpPr>
@@ -909,7 +910,7 @@
             <a:spLocks noGrp="1" noChangeArrowheads="1"/>
             <a:extLst>
               <a:ext uri="smNativeData">
-                <pr:smNativeData xmlns:pr="smNativeData" xmlns="smNativeData" val="SMDATA_15_D/RJaRMAAAAlAAAAZAAAAA0AAAAAkAAAAEgAAACQAAAASAAAAAAAAAABAAAAAAAAAAEAAABQAAAAAAAAAAAA4D8AAAAAAADgPwAAAAAAAOA/AAAAAAAA4D8AAAAAAADgPwAAAAAAAOA/AAAAAAAA4D8AAAAAAADgPwAAAAAAAOA/AAAAAAAA4D8CAAAAjAAAAAAAAAAAAAAAu+DjDP///wgAAAAAAAAAAAAAAAAAAAAAAAAAAAAAAAAAAAAAZAAAAAEAAABAAAAAAAAAAAAAAAAAAAAAAAAAAAAAAAAAAAAAAAAAAAAAAAAAAAAAAAAAAAAAAAAAAAAAAAAAAAAAAAAAAAAAAAAAAAAAAAAAAAAAAAAAAAAAAAAAAAAAFAAAADwAAAAAAAAAAAAAAAAAAAkUAAAAAQAAABQAAAAUAAAAFAAAAAEAAAAAAAAAZAAAAGQAAAAAAAAAZAAAAGQAAAAVAAAAYAAAAAAAAAAAAAAADwAAACADAAAAAAAAAAAAAAEAAACgMgAAVgcAAKr4//8BAAAAf39/AAEAAABkAAAAAAAAABQAAABAHwAAAAAAACYAAAAAAAAAwOD//wAAAAAmAAAAZAAAABYAAABMAAAAAAAAAAAAAAAEAAAAAAAAAAEAAACAgIAKAAAAACgAAAAoAAAAZAAAAGQAAAAAAAAAzMzMAAAAAABQAAAAUAAAAGQAAABkAAAAAAAAABcAAAAUAAAAAAAAAAAAAAD/fwAA/38AAAAAAAAJAAAABAAAAAAAAAAeAAAAaAAAAAAAAAAAAAAAAAAAAAAAAAAAAAAAECcAABAnAAAAAAAAAAAAAAAAAAAAAAAAAAAAAAAAAAAAAAAAAAAAABQAAAAAAAAAwMD/AAAAAABkAAAAMgAAAAAAAABkAAAAAAAAAH9/fwAKAAAAIgAAABgAAAAAAAAAAAAAAAAAAAAAAAAAAAAAAAAAAAAkAAAAJAAAAAAAAAAHAAAAAAAAAAAAAAAAAAAAAAAAAAAAAAAAAAAAf39/ACUAAABYAAAAAAAAAAAAAAAAAAAAAAAAAAAAAAAAAAAAAAAAAAAAAAAAAAAAAAAAAAAAAAA/AAAAAAAAAKCGAQAAAAAAAAAAAAAAAAAMAAAAAQAAAAAAAAAAAAAAAAAAAB8AAABUAAAAAAAABQAAAAEAAAAAAAAAAAAAAAAAAAAAAAAAAAAAAAAAAAAAAAAAAAAAAAJ/f38AAAAAA8zMzADAwP8Af39/AAAAAAAAAAAAAAAAAAAAAAAAAAAAIQAAABgAAAAUAAAAwAMAABsnAAA/FQAAWSkAABAAAAAmAAAACAAAAAAAAAAAAAAA"/>
+                <pr:smNativeData xmlns:pr="smNativeData" xmlns="smNativeData" val="SMDATA_15_PhJKaRMAAAAlAAAAZAAAAA0AAAAAkAAAAEgAAACQAAAASAAAAAAAAAABAAAAAAAAAAEAAABQAAAAAAAAAAAA4D8AAAAAAADgPwAAAAAAAOA/AAAAAAAA4D8AAAAAAADgPwAAAAAAAOA/AAAAAAAA4D8AAAAAAADgPwAAAAAAAOA/AAAAAAAA4D8CAAAAjAAAAAAAAAAAAAAAu+DjDP///wgAAAAAAAAAAAAAAAAAAAAAAAAAAAAAAAAAAAAAZAAAAAEAAABAAAAAAAAAAAAAAAAAAAAAAAAAAAAAAAAAAAAAAAAAAAAAAAAAAAAAAAAAAAAAAAAAAAAAAAAAAAAAAAAAAAAAAAAAAAAAAAAAAAAAAAAAAAAAAAAAAAAAFAAAADwAAAAAAAAAAAAAAAAAAAkUAAAAAQAAABQAAAAUAAAAFAAAAAEAAAAAAAAAZAAAAGQAAAAAAAAAZAAAAGQAAAAVAAAAYAAAAAAAAAAAAAAADwAAACADAAAAAAAAAAAAAAEAAACgMgAAVgcAAKr4//8BAAAAf39/AAEAAABkAAAAAAAAABQAAABAHwAAAAAAACYAAAAAAAAAwOD//wAAAAAmAAAAZAAAABYAAABMAAAAAAAAAAAAAAAEAAAAAAAAAAEAAACAgIAKAAAAACgAAAAoAAAAZAAAAGQAAAAAAAAAzMzMAAAAAABQAAAAUAAAAGQAAABkAAAAAAAAABcAAAAUAAAAAAAAAAAAAAD/fwAA/38AAAAAAAAJAAAABAAAAAAAAAAeAAAAaAAAAAAAAAAAAAAAAAAAAAAAAAAAAAAAECcAABAnAAAAAAAAAAAAAAAAAAAAAAAAAAAAAAAAAAAAAAAAAAAAABQAAAAAAAAAwMD/AAAAAABkAAAAMgAAAAAAAABkAAAAAAAAAH9/fwAKAAAAIgAAABgAAAAAAAAAAAAAAAAAAAAAAAAAAAAAAAAAAAAkAAAAJAAAAAAAAAAHAAAAAAAAAAAAAAAAAAAAAAAAAAAAAAAAAAAAf39/ACUAAABYAAAAAAAAAAAAAAAAAAAAAAAAAAAAAAAAAAAAAAAAAAAAAAAAAAAAAAAAAAAAAAA/AAAAAAAAAKCGAQAAAAAAAAAAAAAAAAAMAAAAAQAAAAAAAAAAAAAAAAAAAB8AAABUAAAAAAAABQAAAAEAAAAAAAAAAAAAAAAAAAAAAAAAAAAAAAAAAAAAAAAAAAAAAAJ/f38AAAAAA8zMzADAwP8Af39/AAAAAAAAAAAAAAAAAAAAAAAAAAAAIQAAABgAAAAUAAAAwAMAABsnAAA/FQAAWSkAABAAAAAmAAAACAAAAAAAAAAAAAAA"/>
               </a:ext>
             </a:extLst>
           </p:cNvSpPr>
@@ -923,7 +924,7 @@
           <a:lstStyle/>
           <a:p>
             <a:pPr/>
-            <a:fld id="{0C3DC109-47E1-6837-AF85-B1628FCB59E4}" type="datetime1">
+            <a:fld id="{0CA7AC8E-C0E1-F25A-AF1F-360FE2515963}" type="datetime1">
               <a:t/>
             </a:fld>
           </a:p>
@@ -936,7 +937,7 @@
             <a:spLocks noGrp="1" noChangeArrowheads="1"/>
             <a:extLst>
               <a:ext uri="smNativeData">
-                <pr:smNativeData xmlns:pr="smNativeData" xmlns="smNativeData" val="SMDATA_15_D/RJaRMAAAAlAAAAZAAAAA0AAAAAkAAAAEgAAACQAAAASAAAAAAAAAABAAAAAAAAAAEAAABQAAAAAAAAAAAA4D8AAAAAAADgPwAAAAAAAOA/AAAAAAAA4D8AAAAAAADgPwAAAAAAAOA/AAAAAAAA4D8AAAAAAADgPwAAAAAAAOA/AAAAAAAA4D8CAAAAjAAAAAAAAAAAAAAAu+DjDP///wgAAAAAAAAAAAAAAAAAAAAAAAAAAAAAAAAAAAAAZAAAAAEAAABAAAAAAAAAAAAAAAAAAAAAAAAAAAAAAAAAAAAAAAAAAAAAAAAAAAAAAAAAAAAAAAAAAAAAAAAAAAAAAAAAAAAAAAAAAAAAAAAAAAAAAAAAAAAAAAAAAAAAFAAAADwAAAAAAAAAAAAAAAAAAAkUAAAAAQAAABQAAAAUAAAAFAAAAAEAAAAAAAAAZAAAAGQAAAAAAAAAZAAAAGQAAAAVAAAAYAAAAAAAAAAAAAAADwAAACADAAAAAAAAAAAAAAEAAACgMgAAVgcAAKr4//8BAAAAf39/AAEAAABkAAAAAAAAABQAAABAHwAAAAAAACYAAAAAAAAAwOD//wAAAAAmAAAAZAAAABYAAABMAAAAAAAAAAAAAAAEAAAAAAAAAAEAAACAgIAKAAAAACgAAAAoAAAAZAAAAGQAAAAAAAAAzMzMAAAAAABQAAAAUAAAAGQAAABkAAAAAAAAABcAAAAUAAAAAAAAAAAAAAD/fwAA/38AAAAAAAAJAAAABAAAAAAAAAAeAAAAaAAAAAAAAAAAAAAAAAAAAAAAAAAAAAAAECcAABAnAAAAAAAAAAAAAAAAAAAAAAAAAAAAAAAAAAAAAAAAAAAAABQAAAAAAAAAwMD/AAAAAABkAAAAMgAAAAAAAABkAAAAAAAAAH9/fwAKAAAAIgAAABgAAAAAAAAAAAAAAAAAAAAAAAAAAAAAAAAAAAAkAAAAJAAAAAAAAAAHAAAAAAAAAAAAAAAAAAAAAAAAAAAAAAAAAAAAf39/ACUAAABYAAAAAAAAAAAAAAAAAAAAAAAAAAAAAAAAAAAAAAAAAAAAAAAAAAAAAAAAAAAAAAA/AAAAAAAAAKCGAQAAAAAAAAAAAAAAAAAMAAAAAQAAAAAAAAAAAAAAAAAAAB8AAABUAAAAAAAABQAAAAEAAAAAAAAAAAAAAAAAAAAAAAAAAAAAAAAAAAAAAAAAAAAAAAJ/f38AAAAAA8zMzADAwP8Af39/AAAAAAAAAAAAAAAAAAAAAAAAAAAAIQAAABgAAAAUAAAAoRkAABsnAABfMQAAWSkAABAAAAAmAAAACAAAAAAAAAAAAAAA"/>
+                <pr:smNativeData xmlns:pr="smNativeData" xmlns="smNativeData" val="SMDATA_15_PhJKaRMAAAAlAAAAZAAAAA0AAAAAkAAAAEgAAACQAAAASAAAAAAAAAABAAAAAAAAAAEAAABQAAAAAAAAAAAA4D8AAAAAAADgPwAAAAAAAOA/AAAAAAAA4D8AAAAAAADgPwAAAAAAAOA/AAAAAAAA4D8AAAAAAADgPwAAAAAAAOA/AAAAAAAA4D8CAAAAjAAAAAAAAAAAAAAAu+DjDP///wgAAAAAAAAAAAAAAAAAAAAAAAAAAAAAAAAAAAAAZAAAAAEAAABAAAAAAAAAAAAAAAAAAAAAAAAAAAAAAAAAAAAAAAAAAAAAAAAAAAAAAAAAAAAAAAAAAAAAAAAAAAAAAAAAAAAAAAAAAAAAAAAAAAAAAAAAAAAAAAAAAAAAFAAAADwAAAAAAAAAAAAAAAAAAAkUAAAAAQAAABQAAAAUAAAAFAAAAAEAAAAAAAAAZAAAAGQAAAAAAAAAZAAAAGQAAAAVAAAAYAAAAAAAAAAAAAAADwAAACADAAAAAAAAAAAAAAEAAACgMgAAVgcAAKr4//8BAAAAf39/AAEAAABkAAAAAAAAABQAAABAHwAAAAAAACYAAAAAAAAAwOD//wAAAAAmAAAAZAAAABYAAABMAAAAAAAAAAAAAAAEAAAAAAAAAAEAAACAgIAKAAAAACgAAAAoAAAAZAAAAGQAAAAAAAAAzMzMAAAAAABQAAAAUAAAAGQAAABkAAAAAAAAABcAAAAUAAAAAAAAAAAAAAD/fwAA/38AAAAAAAAJAAAABAAAAAAAAAAeAAAAaAAAAAAAAAAAAAAAAAAAAAAAAAAAAAAAECcAABAnAAAAAAAAAAAAAAAAAAAAAAAAAAAAAAAAAAAAAAAAAAAAABQAAAAAAAAAwMD/AAAAAABkAAAAMgAAAAAAAABkAAAAAAAAAH9/fwAKAAAAIgAAABgAAAAAAAAAAAAAAAAAAAAAAAAAAAAAAAAAAAAkAAAAJAAAAAAAAAAHAAAAAAAAAAAAAAAAAAAAAAAAAAAAAAAAAAAAf39/ACUAAABYAAAAAAAAAAAAAAAAAAAAAAAAAAAAAAAAAAAAAAAAAAAAAAAAAAAAAAAAAAAAAAA/AAAAAAAAAKCGAQAAAAAAAAAAAAAAAAAMAAAAAQAAAAAAAAAAAAAAAAAAAB8AAABUAAAAAAAABQAAAAEAAAAAAAAAAAAAAAAAAAAAAAAAAAAAAAAAAAAAAAAAAAAAAAJ/f38AAAAAA8zMzADAwP8Af39/AAAAAAAAAAAAAAAAAAAAAAAAAAAAIQAAABgAAAAUAAAAoRkAABsnAABfMQAAWSkAABAAAAAmAAAACAAAAAAAAAAAAAAA"/>
               </a:ext>
             </a:extLst>
           </p:cNvSpPr>
@@ -960,7 +961,7 @@
             <a:spLocks noGrp="1" noChangeArrowheads="1"/>
             <a:extLst>
               <a:ext uri="smNativeData">
-                <pr:smNativeData xmlns:pr="smNativeData" xmlns="smNativeData" val="SMDATA_15_D/RJaRMAAAAlAAAAZAAAAA0AAAAAkAAAAEgAAACQAAAASAAAAAAAAAABAAAAAAAAAAEAAABQAAAAAAAAAAAA4D8AAAAAAADgPwAAAAAAAOA/AAAAAAAA4D8AAAAAAADgPwAAAAAAAOA/AAAAAAAA4D8AAAAAAADgPwAAAAAAAOA/AAAAAAAA4D8CAAAAjAAAAAAAAAAAAAAAu+DjDP///wgAAAAAAAAAAAAAAAAAAAAAAAAAAAAAAAAAAAAAZAAAAAEAAABAAAAAAAAAAAAAAAAAAAAAAAAAAAAAAAAAAAAAAAAAAAAAAAAAAAAAAAAAAAAAAAAAAAAAAAAAAAAAAAAAAAAAAAAAAAAAAAAAAAAAAAAAAAAAAAAAAAAAFAAAADwAAAAAAAAAAAAAAAAAAAkUAAAAAQAAABQAAAAUAAAAFAAAAAEAAAAAAAAAZAAAAGQAAAAAAAAAZAAAAGQAAAAVAAAAYAAAAAAAAAAAAAAADwAAACADAAAAAAAAAAAAAAEAAACgMgAAVgcAAKr4//8BAAAAf39/AAEAAABkAAAAAAAAABQAAABAHwAAAAAAACYAAAAAAAAAwOD//wAAAAAmAAAAZAAAABYAAABMAAAAAAAAAAAAAAAEAAAAAAAAAAEAAACAgIAKAAAAACgAAAAoAAAAZAAAAGQAAAAAAAAAzMzMAAAAAABQAAAAUAAAAGQAAABkAAAAAAAAABcAAAAUAAAAAAAAAAAAAAD/fwAA/38AAAAAAAAJAAAABAAAAAAAAAAeAAAAaAAAAAAAAAAAAAAAAAAAAAAAAAAAAAAAECcAABAnAAAAAAAAAAAAAAAAAAAAAAAAAAAAAAAAAAAAAAAAAAAAABQAAAAAAAAAwMD/AAAAAABkAAAAMgAAAAAAAABkAAAAAAAAAH9/fwAKAAAAIgAAABgAAAAAAAAAAAAAAAAAAAAAAAAAAAAAAAAAAAAkAAAAJAAAAAAAAAAHAAAAAAAAAAAAAAAAAAAAAAAAAAAAAAAAAAAAf39/ACUAAABYAAAAAAAAAAAAAAAAAAAAAAAAAAAAAAAAAAAAAAAAAAAAAAAAAAAAAAAAAAAAAAA/AAAAAAAAAKCGAQAAAAAAAAAAAAAAAAAMAAAAAQAAAAAAAAAAAAAAAAAAAB8AAABUAAAAAAAABQAAAAEAAAAAAAAAAAAAAAAAAAAAAAAAAAAAAAAAAAAAAAAAAAAAAAJ/f38AAAAAA8zMzADAwP8Af39/AAAAAAAAAAAAAAAAAAAAAAAAAAAAIQAAABgAAAAUAAAAwTUAABsnAABARwAAWSkAABAAAAAmAAAACAAAAAAAAAAAAAAA"/>
+                <pr:smNativeData xmlns:pr="smNativeData" xmlns="smNativeData" val="SMDATA_15_PhJKaRMAAAAlAAAAZAAAAA0AAAAAkAAAAEgAAACQAAAASAAAAAAAAAABAAAAAAAAAAEAAABQAAAAAAAAAAAA4D8AAAAAAADgPwAAAAAAAOA/AAAAAAAA4D8AAAAAAADgPwAAAAAAAOA/AAAAAAAA4D8AAAAAAADgPwAAAAAAAOA/AAAAAAAA4D8CAAAAjAAAAAAAAAAAAAAAu+DjDP///wgAAAAAAAAAAAAAAAAAAAAAAAAAAAAAAAAAAAAAZAAAAAEAAABAAAAAAAAAAAAAAAAAAAAAAAAAAAAAAAAAAAAAAAAAAAAAAAAAAAAAAAAAAAAAAAAAAAAAAAAAAAAAAAAAAAAAAAAAAAAAAAAAAAAAAAAAAAAAAAAAAAAAFAAAADwAAAAAAAAAAAAAAAAAAAkUAAAAAQAAABQAAAAUAAAAFAAAAAEAAAAAAAAAZAAAAGQAAAAAAAAAZAAAAGQAAAAVAAAAYAAAAAAAAAAAAAAADwAAACADAAAAAAAAAAAAAAEAAACgMgAAVgcAAKr4//8BAAAAf39/AAEAAABkAAAAAAAAABQAAABAHwAAAAAAACYAAAAAAAAAwOD//wAAAAAmAAAAZAAAABYAAABMAAAAAAAAAAAAAAAEAAAAAAAAAAEAAACAgIAKAAAAACgAAAAoAAAAZAAAAGQAAAAAAAAAzMzMAAAAAABQAAAAUAAAAGQAAABkAAAAAAAAABcAAAAUAAAAAAAAAAAAAAD/fwAA/38AAAAAAAAJAAAABAAAAAAAAAAeAAAAaAAAAAAAAAAAAAAAAAAAAAAAAAAAAAAAECcAABAnAAAAAAAAAAAAAAAAAAAAAAAAAAAAAAAAAAAAAAAAAAAAABQAAAAAAAAAwMD/AAAAAABkAAAAMgAAAAAAAABkAAAAAAAAAH9/fwAKAAAAIgAAABgAAAAAAAAAAAAAAAAAAAAAAAAAAAAAAAAAAAAkAAAAJAAAAAAAAAAHAAAAAAAAAAAAAAAAAAAAAAAAAAAAAAAAAAAAf39/ACUAAABYAAAAAAAAAAAAAAAAAAAAAAAAAAAAAAAAAAAAAAAAAAAAAAAAAAAAAAAAAAAAAAA/AAAAAAAAAKCGAQAAAAAAAAAAAAAAAAAMAAAAAQAAAAAAAAAAAAAAAAAAAB8AAABUAAAAAAAABQAAAAEAAAAAAAAAAAAAAAAAAAAAAAAAAAAAAAAAAAAAAAAAAAAAAAJ/f38AAAAAA8zMzADAwP8Af39/AAAAAAAAAAAAAAAAAAAAAAAAAAAAIQAAABgAAAAUAAAAwTUAABsnAABARwAAWSkAABAAAAAmAAAACAAAAAAAAAAAAAAA"/>
               </a:ext>
             </a:extLst>
           </p:cNvSpPr>
@@ -974,7 +975,7 @@
           <a:lstStyle/>
           <a:p>
             <a:pPr/>
-            <a:fld id="{0C3D885F-11E1-687E-AF85-E72BC6CB59B2}" type="slidenum">
+            <a:fld id="{0CA7DD58-16E1-F22B-AF1F-E07E935159B5}" type="slidenum">
               <a:t/>
             </a:fld>
           </a:p>
@@ -1013,7 +1014,7 @@
             <a:spLocks noGrp="1" noChangeArrowheads="1"/>
             <a:extLst>
               <a:ext uri="smNativeData">
-                <pr:smNativeData xmlns:pr="smNativeData" xmlns="smNativeData" val="SMDATA_15_D/RJaRMAAAAlAAAAZAAAAA0AAAAAkAAAAEgAAACQAAAASAAAAAAAAAAAAAAAAAAAAAEAAABQAAAAAAAAAAAA4D8AAAAAAADgPwAAAAAAAOA/AAAAAAAA4D8AAAAAAADgPwAAAAAAAOA/AAAAAAAA4D8AAAAAAADgPwAAAAAAAOA/AAAAAAAA4D8CAAAAjAAAAAAAAAAAAAAAu+DjDP///wgAAAAAAAAAAAAAAAAAAAAAAAAAAAAAAAAAAAAAZAAAAAEAAABAAAAAAAAAAAAAAAAAAAAAAAAAAAAAAAAAAAAAAAAAAAAAAAAAAAAAAAAAAAAAAAAAAAAAAAAAAAAAAAAAAAAAAAAAAAAAAAAAAAAAAAAAAAAAAAAAAAAAFAAAADwAAAAAAAAAAAAAAAAAAAkUAAAAAQAAABQAAAAUAAAAFAAAAAEAAAAAAAAAZAAAAGQAAAAAAAAAZAAAAGQAAAAVAAAAYAAAAAAAAAAAAAAADwAAACADAAAAAAAAAAAAAAEAAACgMgAAVgcAAKr4//8BAAAAf39/AAEAAABkAAAAAAAAABQAAABAHwAAAAAAACYAAAAAAAAAwOD//wAAAAAmAAAAZAAAABYAAABMAAAAAAAAAAAAAAAEAAAAAAAAAAEAAACAgIAKAAAAACgAAAAoAAAAZAAAAGQAAAAAAAAAzMzMAAAAAABQAAAAUAAAAGQAAABkAAAAAAAAABcAAAAUAAAAAAAAAAAAAAD/fwAA/38AAAAAAAAJAAAABAAAAAAAAAAeAAAAaAAAAAAAAAAAAAAAAAAAAAAAAAAAAAAAECcAABAnAAAAAAAAAAAAAAAAAAAAAAAAAAAAAAAAAAAAAAAAAAAAABQAAAAAAAAAwMD/AAAAAABkAAAAMgAAAAAAAABkAAAAAAAAAH9/fwAKAAAAIgAAABgAAAAAAAAAAAAAAAAAAAAAAAAAAAAAAAAAAAAkAAAAJAAAAAAAAAAHAAAAAAAAAAAAAAAAAAAAAAAAAAAAAAAAAAAAf39/ACUAAABYAAAAAAAAAAAAAAAAAAAAAAAAAAAAAAAAAAAAAAAAAAAAAAAAAAAAAAAAAAAAAAA/AAAAAAAAAKCGAQAAAAAAAAAAAAAAAAAMAAAAAQAAAAAAAAAAAAAAAAAAAB8AAABUAAAAAAAABQAAAAEAAAAAAAAAAAAAAAAAAAAAAAAAAAAAAAAAAAAAAAAAAAAAAAJ/f38AAAAAA8zMzADAwP8Af39/AAAAAAAAAAAAAAAAAAAAAAAAAAAAIQAAABgAAAAUAAAA7QUAABwbAACtRQAAfSMAABAAAAAmAAAACAAAAIGQAAAAAAAA"/>
+                <pr:smNativeData xmlns:pr="smNativeData" xmlns="smNativeData" val="SMDATA_15_PhJKaRMAAAAlAAAAZAAAAA0AAAAAkAAAAEgAAACQAAAASAAAAAAAAAAAAAAAAAAAAAEAAABQAAAAAAAAAAAA4D8AAAAAAADgPwAAAAAAAOA/AAAAAAAA4D8AAAAAAADgPwAAAAAAAOA/AAAAAAAA4D8AAAAAAADgPwAAAAAAAOA/AAAAAAAA4D8CAAAAjAAAAAAAAAAAAAAAu+DjDP///wgAAAAAAAAAAAAAAAAAAAAAAAAAAAAAAAAAAAAAZAAAAAEAAABAAAAAAAAAAAAAAAAAAAAAAAAAAAAAAAAAAAAAAAAAAAAAAAAAAAAAAAAAAAAAAAAAAAAAAAAAAAAAAAAAAAAAAAAAAAAAAAAAAAAAAAAAAAAAAAAAAAAAFAAAADwAAAAAAAAAAAAAAAAAAAkUAAAAAQAAABQAAAAUAAAAFAAAAAEAAAAAAAAAZAAAAGQAAAAAAAAAZAAAAGQAAAAVAAAAYAAAAAAAAAAAAAAADwAAACADAAAAAAAAAAAAAAEAAACgMgAAVgcAAKr4//8BAAAAf39/AAEAAABkAAAAAAAAABQAAABAHwAAAAAAACYAAAAAAAAAwOD//wAAAAAmAAAAZAAAABYAAABMAAAAAAAAAAAAAAAEAAAAAAAAAAEAAACAgIAKAAAAACgAAAAoAAAAZAAAAGQAAAAAAAAAzMzMAAAAAABQAAAAUAAAAGQAAABkAAAAAAAAABcAAAAUAAAAAAAAAAAAAAD/fwAA/38AAAAAAAAJAAAABAAAAAAAAAAeAAAAaAAAAAAAAAAAAAAAAAAAAAAAAAAAAAAAECcAABAnAAAAAAAAAAAAAAAAAAAAAAAAAAAAAAAAAAAAAAAAAAAAABQAAAAAAAAAwMD/AAAAAABkAAAAMgAAAAAAAABkAAAAAAAAAH9/fwAKAAAAIgAAABgAAAAAAAAAAAAAAAAAAAAAAAAAAAAAAAAAAAAkAAAAJAAAAAAAAAAHAAAAAAAAAAAAAAAAAAAAAAAAAAAAAAAAAAAAf39/ACUAAABYAAAAAAAAAAAAAAAAAAAAAAAAAAAAAAAAAAAAAAAAAAAAAAAAAAAAAAAAAAAAAAA/AAAAAAAAAKCGAQAAAAAAAAAAAAAAAAAMAAAAAQAAAAAAAAAAAAAAAAAAAB8AAABUAAAAAAAABQAAAAEAAAAAAAAAAAAAAAAAAAAAAAAAAAAAAAAAAAAAAAAAAAAAAAJ/f38AAAAAA8zMzADAwP8Af39/AAAAAAAAAAAAAAAAAAAAAAAAAAAAIQAAABgAAAAUAAAA7QUAABwbAACtRQAAfSMAABAAAAAmAAAACAAAAIGQAAAAAAAA"/>
               </a:ext>
             </a:extLst>
           </p:cNvSpPr>
@@ -1053,7 +1054,7 @@
             <a:spLocks noGrp="1" noChangeArrowheads="1"/>
             <a:extLst>
               <a:ext uri="smNativeData">
-                <pr:smNativeData xmlns:pr="smNativeData" xmlns="smNativeData" val="SMDATA_15_D/RJaRMAAAAlAAAAZAAAAA0AAAAAkAAAAEgAAACQAAAASAAAAAAAAAACAAAAAAAAAAEAAABQAAAAAAAAAAAA4D8AAAAAAADgPwAAAAAAAOA/AAAAAAAA4D8AAAAAAADgPwAAAAAAAOA/AAAAAAAA4D8AAAAAAADgPwAAAAAAAOA/AAAAAAAA4D8CAAAAjAAAAAAAAAAAAAAAu+DjDP///wgAAAAAAAAAAAAAAAAAAAAAAAAAAAAAAAAAAAAAZAAAAAEAAABAAAAAAAAAAAAAAAAAAAAAAAAAAAAAAAAAAAAAAAAAAAAAAAAAAAAAAAAAAAAAAAAAAAAAAAAAAAAAAAAAAAAAAAAAAAAAAAAAAAAAAAAAAAAAAAAAAAAAFAAAADwAAAAAAAAAAAAAAAAAAAkUAAAAAQAAABQAAAAUAAAAFAAAAAEAAAAAAAAAZAAAAGQAAAAAAAAAZAAAAGQAAAAVAAAAYAAAAAAAAAAAAAAADwAAACADAAAAAAAAAAAAAAEAAACgMgAAVgcAAKr4//8BAAAAf39/AAEAAABkAAAAAAAAABQAAABAHwAAAAAAACYAAAAAAAAAwOD//wAAAAAmAAAAZAAAABYAAABMAAAAAAAAAAAAAAAEAAAAAAAAAAEAAACAgIAKAAAAACgAAAAoAAAAZAAAAGQAAAAAAAAAzMzMAAAAAABQAAAAUAAAAGQAAABkAAAAAAAAABcAAAAUAAAAAAAAAAAAAAD/fwAA/38AAAAAAAAJAAAABAAAAJaoyw4eAAAAaAAAAAAAAAAAAAAAAAAAAAAAAAAAAAAAECcAABAnAAAAAAAAAAAAAAAAAAAAAAAAAAAAAAAAAAAAAAAAAAAAABQAAAAAAAAAwMD/AAAAAABkAAAAMgAAAAAAAABkAAAAAAAAAH9/fwAKAAAAIgAAABgAAAAAAAAAAAAAAAAAAAAAAAAAAAAAAAAAAAAkAAAAJAAAAAAAAAAHAAAAAAAAAAAAAAAAAAAAAAAAAAAAAAAAAAAAf39/ACUAAABYAAAAAAAAAAAAAAAAAAAAAAAAAAAAAAAAAAAAAAAAAAAAAAAAAAAAAAAAAAAAAAA/AAAAAAAAAKCGAQAAAAAAAAAAAAAAAAAMAAAAAQAAAAAAAAAAAAAAAAAAAB8AAABUAAAAAAAABQAAAAEAAAAAAAAAAAAAAAAAAAAAAAAAAAAAAAAAAAAAAAAAAAAAAAJ/f38AAAAAA8zMzADAwP8Af39/AAAAAAAAAAAAAAAAAAAAAAAAAAAAIQAAABgAAAAUAAAA7QUAAOERAACtRQAAHBsAABAAAAAmAAAACAAAAIGQAAAAAAAA"/>
+                <pr:smNativeData xmlns:pr="smNativeData" xmlns="smNativeData" val="SMDATA_15_PhJKaRMAAAAlAAAAZAAAAA0AAAAAkAAAAEgAAACQAAAASAAAAAAAAAACAAAAAAAAAAEAAABQAAAAAAAAAAAA4D8AAAAAAADgPwAAAAAAAOA/AAAAAAAA4D8AAAAAAADgPwAAAAAAAOA/AAAAAAAA4D8AAAAAAADgPwAAAAAAAOA/AAAAAAAA4D8CAAAAjAAAAAAAAAAAAAAAu+DjDP///wgAAAAAAAAAAAAAAAAAAAAAAAAAAAAAAAAAAAAAZAAAAAEAAABAAAAAAAAAAAAAAAAAAAAAAAAAAAAAAAAAAAAAAAAAAAAAAAAAAAAAAAAAAAAAAAAAAAAAAAAAAAAAAAAAAAAAAAAAAAAAAAAAAAAAAAAAAAAAAAAAAAAAFAAAADwAAAAAAAAAAAAAAAAAAAkUAAAAAQAAABQAAAAUAAAAFAAAAAEAAAAAAAAAZAAAAGQAAAAAAAAAZAAAAGQAAAAVAAAAYAAAAAAAAAAAAAAADwAAACADAAAAAAAAAAAAAAEAAACgMgAAVgcAAKr4//8BAAAAf39/AAEAAABkAAAAAAAAABQAAABAHwAAAAAAACYAAAAAAAAAwOD//wAAAAAmAAAAZAAAABYAAABMAAAAAAAAAAAAAAAEAAAAAAAAAAEAAACAgIAKAAAAACgAAAAoAAAAZAAAAGQAAAAAAAAAzMzMAAAAAABQAAAAUAAAAGQAAABkAAAAAAAAABcAAAAUAAAAAAAAAAAAAAD/fwAA/38AAAAAAAAJAAAABAAAAJaoyw4eAAAAaAAAAAAAAAAAAAAAAAAAAAAAAAAAAAAAECcAABAnAAAAAAAAAAAAAAAAAAAAAAAAAAAAAAAAAAAAAAAAAAAAABQAAAAAAAAAwMD/AAAAAABkAAAAMgAAAAAAAABkAAAAAAAAAH9/fwAKAAAAIgAAABgAAAAAAAAAAAAAAAAAAAAAAAAAAAAAAAAAAAAkAAAAJAAAAAAAAAAHAAAAAAAAAAAAAAAAAAAAAAAAAAAAAAAAAAAAf39/ACUAAABYAAAAAAAAAAAAAAAAAAAAAAAAAAAAAAAAAAAAAAAAAAAAAAAAAAAAAAAAAAAAAAA/AAAAAAAAAKCGAQAAAAAAAAAAAAAAAAAMAAAAAQAAAAAAAAAAAAAAAAAAAB8AAABUAAAAAAAABQAAAAEAAAAAAAAAAAAAAAAAAAAAAAAAAAAAAAAAAAAAAAAAAAAAAAJ/f38AAAAAA8zMzADAwP8Af39/AAAAAAAAAAAAAAAAAAAAAAAAAAAAIQAAABgAAAAUAAAA7QUAAOERAACtRQAAHBsAABAAAAAmAAAACAAAAIGQAAAAAAAA"/>
               </a:ext>
             </a:extLst>
           </p:cNvSpPr>
@@ -1126,7 +1127,7 @@
             <a:spLocks noGrp="1" noChangeArrowheads="1"/>
             <a:extLst>
               <a:ext uri="smNativeData">
-                <pr:smNativeData xmlns:pr="smNativeData" xmlns="smNativeData" val="SMDATA_15_D/RJaRMAAAAlAAAAZAAAAA0AAAAAkAAAAEgAAACQAAAASAAAAAAAAAABAAAAAAAAAAEAAABQAAAAAAAAAAAA4D8AAAAAAADgPwAAAAAAAOA/AAAAAAAA4D8AAAAAAADgPwAAAAAAAOA/AAAAAAAA4D8AAAAAAADgPwAAAAAAAOA/AAAAAAAA4D8CAAAAjAAAAAAAAAAAAAAAu+DjDP///wgAAAAAAAAAAAAAAAAAAAAAAAAAAAAAAAAAAAAAZAAAAAEAAABAAAAAAAAAAAAAAAAAAAAAAAAAAAAAAAAAAAAAAAAAAAAAAAAAAAAAAAAAAAAAAAAAAAAAAAAAAAAAAAAAAAAAAAAAAAAAAAAAAAAAAAAAAAAAAAAAAAAAFAAAADwAAAAAAAAAAAAAAAAAAAkUAAAAAQAAABQAAAAUAAAAFAAAAAEAAAAAAAAAZAAAAGQAAAAAAAAAZAAAAGQAAAAVAAAAYAAAAAAAAAAAAAAADwAAACADAAAAAAAAAAAAAAEAAACgMgAAVgcAAKr4//8BAAAAf39/AAEAAABkAAAAAAAAABQAAABAHwAAAAAAACYAAAAAAAAAwOD//wAAAAAmAAAAZAAAABYAAABMAAAAAAAAAAAAAAAEAAAAAAAAAAEAAACAgIAKAAAAACgAAAAoAAAAZAAAAGQAAAAAAAAAzMzMAAAAAABQAAAAUAAAAGQAAABkAAAAAAAAABcAAAAUAAAAAAAAAAAAAAD/fwAA/38AAAAAAAAJAAAABAAAACEAAAAeAAAAaAAAAAAAAAAAAAAAAAAAAAAAAAAAAAAAECcAABAnAAAAAAAAAAAAAAAAAAAAAAAAAAAAAAAAAAAAAAAAAAAAABQAAAAAAAAAwMD/AAAAAABkAAAAMgAAAAAAAABkAAAAAAAAAH9/fwAKAAAAIgAAABgAAAAAAAAAAAAAAAAAAAAAAAAAAAAAAAAAAAAkAAAAJAAAAAAAAAAHAAAAAAAAAAAAAAAAAAAAAAAAAAAAAAAAAAAAf39/ACUAAABYAAAAAAAAAAAAAAAAAAAAAAAAAAAAAAAAAAAAAAAAAAAAAAAAAAAAAAAAAAAAAAA/AAAAAAAAAKCGAQAAAAAAAAAAAAAAAAAMAAAAAQAAAAAAAAAAAAAAAAAAAB8AAABUAAAAAAAABQAAAAEAAAAAAAAAAAAAAAAAAAAAAAAAAAAAAAAAAAAAAAAAAAAAAAJ/f38AAAAAA8zMzADAwP8Af39/AAAAAAAAAAAAAAAAAAAAAAAAAAAAIQAAABgAAAAUAAAAwAMAABsnAAA/FQAAWSkAABAAAAAmAAAACAAAAAAAAAAAAAAA"/>
+                <pr:smNativeData xmlns:pr="smNativeData" xmlns="smNativeData" val="SMDATA_15_PhJKaRMAAAAlAAAAZAAAAA0AAAAAkAAAAEgAAACQAAAASAAAAAAAAAABAAAAAAAAAAEAAABQAAAAAAAAAAAA4D8AAAAAAADgPwAAAAAAAOA/AAAAAAAA4D8AAAAAAADgPwAAAAAAAOA/AAAAAAAA4D8AAAAAAADgPwAAAAAAAOA/AAAAAAAA4D8CAAAAjAAAAAAAAAAAAAAAu+DjDP///wgAAAAAAAAAAAAAAAAAAAAAAAAAAAAAAAAAAAAAZAAAAAEAAABAAAAAAAAAAAAAAAAAAAAAAAAAAAAAAAAAAAAAAAAAAAAAAAAAAAAAAAAAAAAAAAAAAAAAAAAAAAAAAAAAAAAAAAAAAAAAAAAAAAAAAAAAAAAAAAAAAAAAFAAAADwAAAAAAAAAAAAAAAAAAAkUAAAAAQAAABQAAAAUAAAAFAAAAAEAAAAAAAAAZAAAAGQAAAAAAAAAZAAAAGQAAAAVAAAAYAAAAAAAAAAAAAAADwAAACADAAAAAAAAAAAAAAEAAACgMgAAVgcAAKr4//8BAAAAf39/AAEAAABkAAAAAAAAABQAAABAHwAAAAAAACYAAAAAAAAAwOD//wAAAAAmAAAAZAAAABYAAABMAAAAAAAAAAAAAAAEAAAAAAAAAAEAAACAgIAKAAAAACgAAAAoAAAAZAAAAGQAAAAAAAAAzMzMAAAAAABQAAAAUAAAAGQAAABkAAAAAAAAABcAAAAUAAAAAAAAAAAAAAD/fwAA/38AAAAAAAAJAAAABAAAACEAAAAeAAAAaAAAAAAAAAAAAAAAAAAAAAAAAAAAAAAAECcAABAnAAAAAAAAAAAAAAAAAAAAAAAAAAAAAAAAAAAAAAAAAAAAABQAAAAAAAAAwMD/AAAAAABkAAAAMgAAAAAAAABkAAAAAAAAAH9/fwAKAAAAIgAAABgAAAAAAAAAAAAAAAAAAAAAAAAAAAAAAAAAAAAkAAAAJAAAAAAAAAAHAAAAAAAAAAAAAAAAAAAAAAAAAAAAAAAAAAAAf39/ACUAAABYAAAAAAAAAAAAAAAAAAAAAAAAAAAAAAAAAAAAAAAAAAAAAAAAAAAAAAAAAAAAAAA/AAAAAAAAAKCGAQAAAAAAAAAAAAAAAAAMAAAAAQAAAAAAAAAAAAAAAAAAAB8AAABUAAAAAAAABQAAAAEAAAAAAAAAAAAAAAAAAAAAAAAAAAAAAAAAAAAAAAAAAAAAAAJ/f38AAAAAA8zMzADAwP8Af39/AAAAAAAAAAAAAAAAAAAAAAAAAAAAIQAAABgAAAAUAAAAwAMAABsnAAA/FQAAWSkAABAAAAAmAAAACAAAAAAAAAAAAAAA"/>
               </a:ext>
             </a:extLst>
           </p:cNvSpPr>
@@ -1140,7 +1141,7 @@
           <a:lstStyle/>
           <a:p>
             <a:pPr/>
-            <a:fld id="{0C3DFD44-0AE1-680B-AF85-FC5EB3CB59A9}" type="datetime1">
+            <a:fld id="{0CA7866B-25E1-F270-AF1F-D325C8515986}" type="datetime1">
               <a:t>12/16/2025</a:t>
             </a:fld>
           </a:p>
@@ -1153,7 +1154,7 @@
             <a:spLocks noGrp="1" noChangeArrowheads="1"/>
             <a:extLst>
               <a:ext uri="smNativeData">
-                <pr:smNativeData xmlns:pr="smNativeData" xmlns="smNativeData" val="SMDATA_15_D/RJaRMAAAAlAAAAZAAAAA0AAAAAkAAAAEgAAACQAAAASAAAAAAAAAABAAAAAAAAAAEAAABQAAAAAAAAAAAA4D8AAAAAAADgPwAAAAAAAOA/AAAAAAAA4D8AAAAAAADgPwAAAAAAAOA/AAAAAAAA4D8AAAAAAADgPwAAAAAAAOA/AAAAAAAA4D8CAAAAjAAAAAAAAAAAAAAAu+DjDP///wgAAAAAAAAAAAAAAAAAAAAAAAAAAAAAAAAAAAAAZAAAAAEAAABAAAAAAAAAAAAAAAAAAAAAAAAAAAAAAAAAAAAAAAAAAAAAAAAAAAAAAAAAAAAAAAAAAAAAAAAAAAAAAAAAAAAAAAAAAAAAAAAAAAAAAAAAAAAAAAAAAAAAFAAAADwAAAAAAAAAAAAAAAAAAAkUAAAAAQAAABQAAAAUAAAAFAAAAAEAAAAAAAAAZAAAAGQAAAAAAAAAZAAAAGQAAAAVAAAAYAAAAAAAAAAAAAAADwAAACADAAAAAAAAAAAAAAEAAACgMgAAVgcAAKr4//8BAAAAf39/AAEAAABkAAAAAAAAABQAAABAHwAAAAAAACYAAAAAAAAAwOD//wAAAAAmAAAAZAAAABYAAABMAAAAAAAAAAAAAAAEAAAAAAAAAAEAAACAgIAKAAAAACgAAAAoAAAAZAAAAGQAAAAAAAAAzMzMAAAAAABQAAAAUAAAAGQAAABkAAAAAAAAABcAAAAUAAAAAAAAAAAAAAD/fwAA/38AAAAAAAAJAAAABAAAAAAAAAAeAAAAaAAAAAAAAAAAAAAAAAAAAAAAAAAAAAAAECcAABAnAAAAAAAAAAAAAAAAAAAAAAAAAAAAAAAAAAAAAAAAAAAAABQAAAAAAAAAwMD/AAAAAABkAAAAMgAAAAAAAABkAAAAAAAAAH9/fwAKAAAAIgAAABgAAAAAAAAAAAAAAAAAAAAAAAAAAAAAAAAAAAAkAAAAJAAAAAAAAAAHAAAAAAAAAAAAAAAAAAAAAAAAAAAAAAAAAAAAf39/ACUAAABYAAAAAAAAAAAAAAAAAAAAAAAAAAAAAAAAAAAAAAAAAAAAAAAAAAAAAAAAAAAAAAA/AAAAAAAAAKCGAQAAAAAAAAAAAAAAAAAMAAAAAQAAAAAAAAAAAAAAAAAAAB8AAABUAAAAAAAABQAAAAEAAAAAAAAAAAAAAAAAAAAAAAAAAAAAAAAAAAAAAAAAAAAAAAJ/f38AAAAAA8zMzADAwP8Af39/AAAAAAAAAAAAAAAAAAAAAAAAAAAAIQAAABgAAAAUAAAAoRkAABsnAABfMQAAWSkAABAAAAAmAAAACAAAAAAAAAAAAAAA"/>
+                <pr:smNativeData xmlns:pr="smNativeData" xmlns="smNativeData" val="SMDATA_15_PhJKaRMAAAAlAAAAZAAAAA0AAAAAkAAAAEgAAACQAAAASAAAAAAAAAABAAAAAAAAAAEAAABQAAAAAAAAAAAA4D8AAAAAAADgPwAAAAAAAOA/AAAAAAAA4D8AAAAAAADgPwAAAAAAAOA/AAAAAAAA4D8AAAAAAADgPwAAAAAAAOA/AAAAAAAA4D8CAAAAjAAAAAAAAAAAAAAAu+DjDP///wgAAAAAAAAAAAAAAAAAAAAAAAAAAAAAAAAAAAAAZAAAAAEAAABAAAAAAAAAAAAAAAAAAAAAAAAAAAAAAAAAAAAAAAAAAAAAAAAAAAAAAAAAAAAAAAAAAAAAAAAAAAAAAAAAAAAAAAAAAAAAAAAAAAAAAAAAAAAAAAAAAAAAFAAAADwAAAAAAAAAAAAAAAAAAAkUAAAAAQAAABQAAAAUAAAAFAAAAAEAAAAAAAAAZAAAAGQAAAAAAAAAZAAAAGQAAAAVAAAAYAAAAAAAAAAAAAAADwAAACADAAAAAAAAAAAAAAEAAACgMgAAVgcAAKr4//8BAAAAf39/AAEAAABkAAAAAAAAABQAAABAHwAAAAAAACYAAAAAAAAAwOD//wAAAAAmAAAAZAAAABYAAABMAAAAAAAAAAAAAAAEAAAAAAAAAAEAAACAgIAKAAAAACgAAAAoAAAAZAAAAGQAAAAAAAAAzMzMAAAAAABQAAAAUAAAAGQAAABkAAAAAAAAABcAAAAUAAAAAAAAAAAAAAD/fwAA/38AAAAAAAAJAAAABAAAAAAAAAAeAAAAaAAAAAAAAAAAAAAAAAAAAAAAAAAAAAAAECcAABAnAAAAAAAAAAAAAAAAAAAAAAAAAAAAAAAAAAAAAAAAAAAAABQAAAAAAAAAwMD/AAAAAABkAAAAMgAAAAAAAABkAAAAAAAAAH9/fwAKAAAAIgAAABgAAAAAAAAAAAAAAAAAAAAAAAAAAAAAAAAAAAAkAAAAJAAAAAAAAAAHAAAAAAAAAAAAAAAAAAAAAAAAAAAAAAAAAAAAf39/ACUAAABYAAAAAAAAAAAAAAAAAAAAAAAAAAAAAAAAAAAAAAAAAAAAAAAAAAAAAAAAAAAAAAA/AAAAAAAAAKCGAQAAAAAAAAAAAAAAAAAMAAAAAQAAAAAAAAAAAAAAAAAAAB8AAABUAAAAAAAABQAAAAEAAAAAAAAAAAAAAAAAAAAAAAAAAAAAAAAAAAAAAAAAAAAAAAJ/f38AAAAAA8zMzADAwP8Af39/AAAAAAAAAAAAAAAAAAAAAAAAAAAAIQAAABgAAAAUAAAAoRkAABsnAABfMQAAWSkAABAAAAAmAAAACAAAAAAAAAAAAAAA"/>
               </a:ext>
             </a:extLst>
           </p:cNvSpPr>
@@ -1177,7 +1178,7 @@
             <a:spLocks noGrp="1" noChangeArrowheads="1"/>
             <a:extLst>
               <a:ext uri="smNativeData">
-                <pr:smNativeData xmlns:pr="smNativeData" xmlns="smNativeData" val="SMDATA_15_D/RJaRMAAAAlAAAAZAAAAA0AAAAAkAAAAEgAAACQAAAASAAAAAAAAAABAAAAAAAAAAEAAABQAAAAAAAAAAAA4D8AAAAAAADgPwAAAAAAAOA/AAAAAAAA4D8AAAAAAADgPwAAAAAAAOA/AAAAAAAA4D8AAAAAAADgPwAAAAAAAOA/AAAAAAAA4D8CAAAAjAAAAAAAAAAAAAAAu+DjDP///wgAAAAAAAAAAAAAAAAAAAAAAAAAAAAAAAAAAAAAZAAAAAEAAABAAAAAAAAAAAAAAAAAAAAAAAAAAAAAAAAAAAAAAAAAAAAAAAAAAAAAAAAAAAAAAAAAAAAAAAAAAAAAAAAAAAAAAAAAAAAAAAAAAAAAAAAAAAAAAAAAAAAAFAAAADwAAAAAAAAAAAAAAAAAAAkUAAAAAQAAABQAAAAUAAAAFAAAAAEAAAAAAAAAZAAAAGQAAAAAAAAAZAAAAGQAAAAVAAAAYAAAAAAAAAAAAAAADwAAACADAAAAAAAAAAAAAAEAAACgMgAAVgcAAKr4//8BAAAAf39/AAEAAABkAAAAAAAAABQAAABAHwAAAAAAACYAAAAAAAAAwOD//wAAAAAmAAAAZAAAABYAAABMAAAAAAAAAAAAAAAEAAAAAAAAAAEAAACAgIAKAAAAACgAAAAoAAAAZAAAAGQAAAAAAAAAzMzMAAAAAABQAAAAUAAAAGQAAABkAAAAAAAAABcAAAAUAAAAAAAAAAAAAAD/fwAA/38AAAAAAAAJAAAABAAAAEAoWAweAAAAaAAAAAAAAAAAAAAAAAAAAAAAAAAAAAAAECcAABAnAAAAAAAAAAAAAAAAAAAAAAAAAAAAAAAAAAAAAAAAAAAAABQAAAAAAAAAwMD/AAAAAABkAAAAMgAAAAAAAABkAAAAAAAAAH9/fwAKAAAAIgAAABgAAAAAAAAAAAAAAAAAAAAAAAAAAAAAAAAAAAAkAAAAJAAAAAAAAAAHAAAAAAAAAAAAAAAAAAAAAAAAAAAAAAAAAAAAf39/ACUAAABYAAAAAAAAAAAAAAAAAAAAAAAAAAAAAAAAAAAAAAAAAAAAAAAAAAAAAAAAAAAAAAA/AAAAAAAAAKCGAQAAAAAAAAAAAAAAAAAMAAAAAQAAAAAAAAAAAAAAAAAAAB8AAABUAAAAAAAABQAAAAEAAAAAAAAAAAAAAAAAAAAAAAAAAAAAAAAAAAAAAAAAAAAAAAJ/f38AAAAAA8zMzADAwP8Af39/AAAAAAAAAAAAAAAAAAAAAAAAAAAAIQAAABgAAAAUAAAAwTUAABsnAABARwAAWSkAABAAAAAmAAAACAAAAAAAAAAAAAAA"/>
+                <pr:smNativeData xmlns:pr="smNativeData" xmlns="smNativeData" val="SMDATA_15_PhJKaRMAAAAlAAAAZAAAAA0AAAAAkAAAAEgAAACQAAAASAAAAAAAAAABAAAAAAAAAAEAAABQAAAAAAAAAAAA4D8AAAAAAADgPwAAAAAAAOA/AAAAAAAA4D8AAAAAAADgPwAAAAAAAOA/AAAAAAAA4D8AAAAAAADgPwAAAAAAAOA/AAAAAAAA4D8CAAAAjAAAAAAAAAAAAAAAu+DjDP///wgAAAAAAAAAAAAAAAAAAAAAAAAAAAAAAAAAAAAAZAAAAAEAAABAAAAAAAAAAAAAAAAAAAAAAAAAAAAAAAAAAAAAAAAAAAAAAAAAAAAAAAAAAAAAAAAAAAAAAAAAAAAAAAAAAAAAAAAAAAAAAAAAAAAAAAAAAAAAAAAAAAAAFAAAADwAAAAAAAAAAAAAAAAAAAkUAAAAAQAAABQAAAAUAAAAFAAAAAEAAAAAAAAAZAAAAGQAAAAAAAAAZAAAAGQAAAAVAAAAYAAAAAAAAAAAAAAADwAAACADAAAAAAAAAAAAAAEAAACgMgAAVgcAAKr4//8BAAAAf39/AAEAAABkAAAAAAAAABQAAABAHwAAAAAAACYAAAAAAAAAwOD//wAAAAAmAAAAZAAAABYAAABMAAAAAAAAAAAAAAAEAAAAAAAAAAEAAACAgIAKAAAAACgAAAAoAAAAZAAAAGQAAAAAAAAAzMzMAAAAAABQAAAAUAAAAGQAAABkAAAAAAAAABcAAAAUAAAAAAAAAAAAAAD/fwAA/38AAAAAAAAJAAAABAAAAEAoWAweAAAAaAAAAAAAAAAAAAAAAAAAAAAAAAAAAAAAECcAABAnAAAAAAAAAAAAAAAAAAAAAAAAAAAAAAAAAAAAAAAAAAAAABQAAAAAAAAAwMD/AAAAAABkAAAAMgAAAAAAAABkAAAAAAAAAH9/fwAKAAAAIgAAABgAAAAAAAAAAAAAAAAAAAAAAAAAAAAAAAAAAAAkAAAAJAAAAAAAAAAHAAAAAAAAAAAAAAAAAAAAAAAAAAAAAAAAAAAAf39/ACUAAABYAAAAAAAAAAAAAAAAAAAAAAAAAAAAAAAAAAAAAAAAAAAAAAAAAAAAAAAAAAAAAAA/AAAAAAAAAKCGAQAAAAAAAAAAAAAAAAAMAAAAAQAAAAAAAAAAAAAAAAAAAB8AAABUAAAAAAAABQAAAAEAAAAAAAAAAAAAAAAAAAAAAAAAAAAAAAAAAAAAAAAAAAAAAAJ/f38AAAAAA8zMzADAwP8Af39/AAAAAAAAAAAAAAAAAAAAAAAAAAAAIQAAABgAAAAUAAAAwTUAABsnAABARwAAWSkAABAAAAAmAAAACAAAAAAAAAAAAAAA"/>
               </a:ext>
             </a:extLst>
           </p:cNvSpPr>
@@ -1191,7 +1192,7 @@
           <a:lstStyle/>
           <a:p>
             <a:pPr/>
-            <a:fld id="{0C3DCEB2-FCE1-6838-AF85-0A6D80CB595F}" type="slidenum">
+            <a:fld id="{0CA7D6E4-AAE1-F220-AF1F-5C7598515909}" type="slidenum">
               <a:t>‹#›</a:t>
             </a:fld>
           </a:p>
@@ -1230,7 +1231,7 @@
             <a:spLocks noGrp="1" noChangeArrowheads="1"/>
             <a:extLst>
               <a:ext uri="smNativeData">
-                <pr:smNativeData xmlns:pr="smNativeData" xmlns="smNativeData" val="SMDATA_15_D/RJaRMAAAAlAAAAZAAAAA0AAAAAkAAAAEgAAACQAAAASAAAAAAAAAABAAAAAAAAAAEAAABQAAAAAAAAAAAA4D8AAAAAAADgPwAAAAAAAOA/AAAAAAAA4D8AAAAAAADgPwAAAAAAAOA/AAAAAAAA4D8AAAAAAADgPwAAAAAAAOA/AAAAAAAA4D8CAAAAjAAAAAAAAAAAAAAAu+DjDP///wgAAAAAAAAAAAAAAAAAAAAAAAAAAAAAAAAAAAAAZAAAAAEAAABAAAAAAAAAAAAAAAAAAAAAAAAAAAAAAAAAAAAAAAAAAAAAAAAAAAAAAAAAAAAAAAAAAAAAAAAAAAAAAAAAAAAAAAAAAAAAAAAAAAAAAAAAAAAAAAAAAAAAFAAAADwAAAAAAAAAAAAAAAAAAAkUAAAAAQAAABQAAAAUAAAAFAAAAAEAAAAAAAAAZAAAAGQAAAAAAAAAZAAAAGQAAAAVAAAAYAAAAAAAAAAAAAAADwAAACADAAAAAAAAAAAAAAEAAACgMgAAVgcAAKr4//8BAAAAf39/AAEAAABkAAAAAAAAABQAAABAHwAAAAAAACYAAAAAAAAAwOD//wAAAAAmAAAAZAAAABYAAABMAAAAAAAAAAAAAAAEAAAAAAAAAAEAAACAgIAKAAAAACgAAAAoAAAAZAAAAGQAAAAAAAAAzMzMAAAAAABQAAAAUAAAAGQAAABkAAAAAAAAABcAAAAUAAAAAAAAAAAAAAD/fwAA/38AAAAAAAAJAAAABAAAAAAAAAAeAAAAaAAAAAAAAAAAAAAAAAAAAAAAAAAAAAAAECcAABAnAAAAAAAAAAAAAAAAAAAAAAAAAAAAAAAAAAAAAAAAAAAAABQAAAAAAAAAwMD/AAAAAABkAAAAMgAAAAAAAABkAAAAAAAAAH9/fwAKAAAAIgAAABgAAAAAAAAAAAAAAAAAAAAAAAAAAAAAAAAAAAAkAAAAJAAAAAAAAAAHAAAAAAAAAAAAAAAAAAAAAAAAAAAAAAAAAAAAf39/ACUAAABYAAAAAAAAAAAAAAAAAAAAAAAAAAAAAAAAAAAAAAAAAAAAAAAAAAAAAAAAAAAAAAA/AAAAAAAAAKCGAQAAAAAAAAAAAAAAAAAMAAAAAQAAAAAAAAAAAAAAAAAAAB8AAABUAAAAAAAABQAAAAEAAAAAAAAAAAAAAAAAAAAAAAAAAAAAAAAAAAAAAAAAAAAAAAJ/f38AAAAAA8zMzADAwP8Af39/AAAAAAAAAAAAAAAAAAAAAAAAAAAAIQAAABgAAAAUAAAAwAMAALABAABARwAAuAgAABAAAAAmAAAACAAAAAAAAAAAAAAA"/>
+                <pr:smNativeData xmlns:pr="smNativeData" xmlns="smNativeData" val="SMDATA_15_PhJKaRMAAAAlAAAAZAAAAA0AAAAAkAAAAEgAAACQAAAASAAAAAAAAAABAAAAAAAAAAEAAABQAAAAAAAAAAAA4D8AAAAAAADgPwAAAAAAAOA/AAAAAAAA4D8AAAAAAADgPwAAAAAAAOA/AAAAAAAA4D8AAAAAAADgPwAAAAAAAOA/AAAAAAAA4D8CAAAAjAAAAAAAAAAAAAAAu+DjDP///wgAAAAAAAAAAAAAAAAAAAAAAAAAAAAAAAAAAAAAZAAAAAEAAABAAAAAAAAAAAAAAAAAAAAAAAAAAAAAAAAAAAAAAAAAAAAAAAAAAAAAAAAAAAAAAAAAAAAAAAAAAAAAAAAAAAAAAAAAAAAAAAAAAAAAAAAAAAAAAAAAAAAAFAAAADwAAAAAAAAAAAAAAAAAAAkUAAAAAQAAABQAAAAUAAAAFAAAAAEAAAAAAAAAZAAAAGQAAAAAAAAAZAAAAGQAAAAVAAAAYAAAAAAAAAAAAAAADwAAACADAAAAAAAAAAAAAAEAAACgMgAAVgcAAKr4//8BAAAAf39/AAEAAABkAAAAAAAAABQAAABAHwAAAAAAACYAAAAAAAAAwOD//wAAAAAmAAAAZAAAABYAAABMAAAAAAAAAAAAAAAEAAAAAAAAAAEAAACAgIAKAAAAACgAAAAoAAAAZAAAAGQAAAAAAAAAzMzMAAAAAABQAAAAUAAAAGQAAABkAAAAAAAAABcAAAAUAAAAAAAAAAAAAAD/fwAA/38AAAAAAAAJAAAABAAAAAAAAAAeAAAAaAAAAAAAAAAAAAAAAAAAAAAAAAAAAAAAECcAABAnAAAAAAAAAAAAAAAAAAAAAAAAAAAAAAAAAAAAAAAAAAAAABQAAAAAAAAAwMD/AAAAAABkAAAAMgAAAAAAAABkAAAAAAAAAH9/fwAKAAAAIgAAABgAAAAAAAAAAAAAAAAAAAAAAAAAAAAAAAAAAAAkAAAAJAAAAAAAAAAHAAAAAAAAAAAAAAAAAAAAAAAAAAAAAAAAAAAAf39/ACUAAABYAAAAAAAAAAAAAAAAAAAAAAAAAAAAAAAAAAAAAAAAAAAAAAAAAAAAAAAAAAAAAAA/AAAAAAAAAKCGAQAAAAAAAAAAAAAAAAAMAAAAAQAAAAAAAAAAAAAAAAAAAB8AAABUAAAAAAAABQAAAAEAAAAAAAAAAAAAAAAAAAAAAAAAAAAAAAAAAAAAAAAAAAAAAAJ/f38AAAAAA8zMzADAwP8Af39/AAAAAAAAAAAAAAAAAAAAAAAAAAAAIQAAABgAAAAUAAAAwAMAALABAABARwAAuAgAABAAAAAmAAAACAAAAAAAAAAAAAAA"/>
               </a:ext>
             </a:extLst>
           </p:cNvSpPr>
@@ -1257,7 +1258,7 @@
             <a:spLocks noGrp="1" noChangeArrowheads="1"/>
             <a:extLst>
               <a:ext uri="smNativeData">
-                <pr:smNativeData xmlns:pr="smNativeData" xmlns="smNativeData" val="SMDATA_15_D/RJaRMAAAAlAAAAZAAAAA0AAAAAkAAAAEgAAACQAAAASAAAAAAAAAAAAAAAAAAAAAEAAABQAAAAAAAAAAAA4D8AAAAAAADgPwAAAAAAAOA/AAAAAAAA4D8AAAAAAADgPwAAAAAAAOA/AAAAAAAA4D8AAAAAAADgPwAAAAAAAOA/AAAAAAAA4D8CAAAAjAAAAAAAAAAAAAAAu+DjDP///wgAAAAAAAAAAAAAAAAAAAAAAAAAAAAAAAAAAAAAZAAAAAEAAABAAAAAAAAAAAAAAAAAAAAAAAAAAAAAAAAAAAAAAAAAAAAAAAAAAAAAAAAAAAAAAAAAAAAAAAAAAAAAAAAAAAAAAAAAAAAAAAAAAAAAAAAAAAAAAAAAAAAAFAAAADwAAAAAAAAAAAAAAAAAAAkUAAAAAQAAABQAAAAUAAAAFAAAAAEAAAAAAAAAZAAAAGQAAAAAAAAAZAAAAGQAAAAVAAAAYAAAAAAAAAAAAAAADwAAACADAAAAAAAAAAAAAAEAAACgMgAAVgcAAKr4//8BAAAAf39/AAEAAABkAAAAAAAAABQAAABAHwAAAAAAACYAAAAAAAAAwOD//wAAAAAmAAAAZAAAABYAAABMAAAAAAAAAAAAAAAEAAAAAAAAAAEAAACAgIAKAAAAACgAAAAoAAAAZAAAAGQAAAAAAAAAzMzMAAAAAABQAAAAUAAAAGQAAABkAAAAAAAAABcAAAAUAAAAAAAAAAAAAAD/fwAA/38AAAAAAAAJAAAABAAAAJgGAAAeAAAAaAAAAAAAAAAAAAAAAAAAAAAAAAAAAAAAECcAABAnAAAAAAAAAAAAAAAAAAAAAAAAAAAAAAAAAAAAAAAAAAAAABQAAAAAAAAAwMD/AAAAAABkAAAAMgAAAAAAAABkAAAAAAAAAH9/fwAKAAAAIgAAABgAAAAAAAAAAAAAAAAAAAAAAAAAAAAAAAAAAAAkAAAAJAAAAAAAAAAHAAAAAAAAAAAAAAAAAAAAAAAAAAAAAAAAAAAAf39/ACUAAABYAAAAAAAAAAAAAAAAAAAAAAAAAAAAAAAAAAAAAAAAAAAAAAAAAAAAAAAAAAAAAAA/AAAAAAAAAKCGAQAAAAAAAAAAAAAAAAAMAAAAAQAAAAAAAAAAAAAAAAAAAB8AAABUAAAAAAAABQAAAAEAAAAAAAAAAAAAAAAAAAAAAAAAAAAAAAAAAAAAAAAAAAAAAAJ/f38AAAAAA8zMzADAwP8Af39/AAAAAAAAAAAAAAAAAAAAAAAAAAAAIQAAABgAAAAUAAAAwAMAANgJAADhJAAAsCUAABAAAAAmAAAACAAAAAGAAAAAAAAA"/>
+                <pr:smNativeData xmlns:pr="smNativeData" xmlns="smNativeData" val="SMDATA_15_PhJKaRMAAAAlAAAAZAAAAA0AAAAAkAAAAEgAAACQAAAASAAAAAAAAAAAAAAAAAAAAAEAAABQAAAAAAAAAAAA4D8AAAAAAADgPwAAAAAAAOA/AAAAAAAA4D8AAAAAAADgPwAAAAAAAOA/AAAAAAAA4D8AAAAAAADgPwAAAAAAAOA/AAAAAAAA4D8CAAAAjAAAAAAAAAAAAAAAu+DjDP///wgAAAAAAAAAAAAAAAAAAAAAAAAAAAAAAAAAAAAAZAAAAAEAAABAAAAAAAAAAAAAAAAAAAAAAAAAAAAAAAAAAAAAAAAAAAAAAAAAAAAAAAAAAAAAAAAAAAAAAAAAAAAAAAAAAAAAAAAAAAAAAAAAAAAAAAAAAAAAAAAAAAAAFAAAADwAAAAAAAAAAAAAAAAAAAkUAAAAAQAAABQAAAAUAAAAFAAAAAEAAAAAAAAAZAAAAGQAAAAAAAAAZAAAAGQAAAAVAAAAYAAAAAAAAAAAAAAADwAAACADAAAAAAAAAAAAAAEAAACgMgAAVgcAAKr4//8BAAAAf39/AAEAAABkAAAAAAAAABQAAABAHwAAAAAAACYAAAAAAAAAwOD//wAAAAAmAAAAZAAAABYAAABMAAAAAAAAAAAAAAAEAAAAAAAAAAEAAACAgIAKAAAAACgAAAAoAAAAZAAAAGQAAAAAAAAAzMzMAAAAAABQAAAAUAAAAGQAAABkAAAAAAAAABcAAAAUAAAAAAAAAAAAAAD/fwAA/38AAAAAAAAJAAAABAAAAJgGAAAeAAAAaAAAAAAAAAAAAAAAAAAAAAAAAAAAAAAAECcAABAnAAAAAAAAAAAAAAAAAAAAAAAAAAAAAAAAAAAAAAAAAAAAABQAAAAAAAAAwMD/AAAAAABkAAAAMgAAAAAAAABkAAAAAAAAAH9/fwAKAAAAIgAAABgAAAAAAAAAAAAAAAAAAAAAAAAAAAAAAAAAAAAkAAAAJAAAAAAAAAAHAAAAAAAAAAAAAAAAAAAAAAAAAAAAAAAAAAAAf39/ACUAAABYAAAAAAAAAAAAAAAAAAAAAAAAAAAAAAAAAAAAAAAAAAAAAAAAAAAAAAAAAAAAAAA/AAAAAAAAAKCGAQAAAAAAAAAAAAAAAAAMAAAAAQAAAAAAAAAAAAAAAAAAAB8AAABUAAAAAAAABQAAAAEAAAAAAAAAAAAAAAAAAAAAAAAAAAAAAAAAAAAAAAAAAAAAAAJ/f38AAAAAA8zMzADAwP8Af39/AAAAAAAAAAAAAAAAAAAAAAAAAAAAIQAAABgAAAAUAAAAwAMAANgJAADhJAAAsCUAABAAAAAmAAAACAAAAAGAAAAAAAAA"/>
               </a:ext>
             </a:extLst>
           </p:cNvSpPr>
@@ -1341,7 +1342,7 @@
             <a:spLocks noGrp="1" noChangeArrowheads="1"/>
             <a:extLst>
               <a:ext uri="smNativeData">
-                <pr:smNativeData xmlns:pr="smNativeData" xmlns="smNativeData" val="SMDATA_15_D/RJaRMAAAAlAAAAZAAAAA0AAAAAkAAAAEgAAACQAAAASAAAAAAAAAAAAAAAAAAAAAEAAABQAAAAAAAAAAAA4D8AAAAAAADgPwAAAAAAAOA/AAAAAAAA4D8AAAAAAADgPwAAAAAAAOA/AAAAAAAA4D8AAAAAAADgPwAAAAAAAOA/AAAAAAAA4D8CAAAAjAAAAAAAAAAAAAAAu+DjDP///wgAAAAAAAAAAAAAAAAAAAAAAAAAAAAAAAAAAAAAZAAAAAEAAABAAAAAAAAAAAAAAAAAAAAAAAAAAAAAAAAAAAAAAAAAAAAAAAAAAAAAAAAAAAAAAAAAAAAAAAAAAAAAAAAAAAAAAAAAAAAAAAAAAAAAAAAAAAAAAAAAAAAAFAAAADwAAAAAAAAAAAAAAAAAAAkUAAAAAQAAABQAAAAUAAAAFAAAAAEAAAAAAAAAZAAAAGQAAAAAAAAAZAAAAGQAAAAVAAAAYAAAAAAAAAAAAAAADwAAACADAAAAAAAAAAAAAAEAAACgMgAAVgcAAKr4//8BAAAAf39/AAEAAABkAAAAAAAAABQAAABAHwAAAAAAACYAAAAAAAAAwOD//wAAAAAmAAAAZAAAABYAAABMAAAAAAAAAAAAAAAEAAAAAAAAAAEAAACAgIAKAAAAACgAAAAoAAAAZAAAAGQAAAAAAAAAzMzMAAAAAABQAAAAUAAAAGQAAABkAAAAAAAAABcAAAAUAAAAAAAAAAAAAAD/fwAA/38AAAAAAAAJAAAABAAAAFhUxw4eAAAAaAAAAAAAAAAAAAAAAAAAAAAAAAAAAAAAECcAABAnAAAAAAAAAAAAAAAAAAAAAAAAAAAAAAAAAAAAAAAAAAAAABQAAAAAAAAAwMD/AAAAAABkAAAAMgAAAAAAAABkAAAAAAAAAH9/fwAKAAAAIgAAABgAAAAAAAAAAAAAAAAAAAAAAAAAAAAAAAAAAAAkAAAAJAAAAAAAAAAHAAAAAAAAAAAAAAAAAAAAAAAAAAAAAAAAAAAAf39/ACUAAABYAAAAAAAAAAAAAAAAAAAAAAAAAAAAAAAAAAAAAAAAAAAAAAAAAAAAAAAAAAAAAAA/AAAAAAAAAKCGAQAAAAAAAAAAAAAAAAAMAAAAAQAAAAAAAAAAAAAAAAAAAB8AAABUAAAAAAAABQAAAAEAAAAAAAAAAAAAAAAAAAAAAAAAAAAAAAAAAAAAAAAAAAAAAAJ/f38AAAAAA8zMzADAwP8Af39/AAAAAAAAAAAAAAAAAAAAAAAAAAAAIQAAABgAAAAUAAAAHyYAANgJAABARwAAsCUAABAAAAAmAAAACAAAAAGAAAAAAAAA"/>
+                <pr:smNativeData xmlns:pr="smNativeData" xmlns="smNativeData" val="SMDATA_15_PhJKaRMAAAAlAAAAZAAAAA0AAAAAkAAAAEgAAACQAAAASAAAAAAAAAAAAAAAAAAAAAEAAABQAAAAAAAAAAAA4D8AAAAAAADgPwAAAAAAAOA/AAAAAAAA4D8AAAAAAADgPwAAAAAAAOA/AAAAAAAA4D8AAAAAAADgPwAAAAAAAOA/AAAAAAAA4D8CAAAAjAAAAAAAAAAAAAAAu+DjDP///wgAAAAAAAAAAAAAAAAAAAAAAAAAAAAAAAAAAAAAZAAAAAEAAABAAAAAAAAAAAAAAAAAAAAAAAAAAAAAAAAAAAAAAAAAAAAAAAAAAAAAAAAAAAAAAAAAAAAAAAAAAAAAAAAAAAAAAAAAAAAAAAAAAAAAAAAAAAAAAAAAAAAAFAAAADwAAAAAAAAAAAAAAAAAAAkUAAAAAQAAABQAAAAUAAAAFAAAAAEAAAAAAAAAZAAAAGQAAAAAAAAAZAAAAGQAAAAVAAAAYAAAAAAAAAAAAAAADwAAACADAAAAAAAAAAAAAAEAAACgMgAAVgcAAKr4//8BAAAAf39/AAEAAABkAAAAAAAAABQAAABAHwAAAAAAACYAAAAAAAAAwOD//wAAAAAmAAAAZAAAABYAAABMAAAAAAAAAAAAAAAEAAAAAAAAAAEAAACAgIAKAAAAACgAAAAoAAAAZAAAAGQAAAAAAAAAzMzMAAAAAABQAAAAUAAAAGQAAABkAAAAAAAAABcAAAAUAAAAAAAAAAAAAAD/fwAA/38AAAAAAAAJAAAABAAAAFhUxw4eAAAAaAAAAAAAAAAAAAAAAAAAAAAAAAAAAAAAECcAABAnAAAAAAAAAAAAAAAAAAAAAAAAAAAAAAAAAAAAAAAAAAAAABQAAAAAAAAAwMD/AAAAAABkAAAAMgAAAAAAAABkAAAAAAAAAH9/fwAKAAAAIgAAABgAAAAAAAAAAAAAAAAAAAAAAAAAAAAAAAAAAAAkAAAAJAAAAAAAAAAHAAAAAAAAAAAAAAAAAAAAAAAAAAAAAAAAAAAAf39/ACUAAABYAAAAAAAAAAAAAAAAAAAAAAAAAAAAAAAAAAAAAAAAAAAAAAAAAAAAAAAAAAAAAAA/AAAAAAAAAKCGAQAAAAAAAAAAAAAAAAAMAAAAAQAAAAAAAAAAAAAAAAAAAB8AAABUAAAAAAAABQAAAAEAAAAAAAAAAAAAAAAAAAAAAAAAAAAAAAAAAAAAAAAAAAAAAAJ/f38AAAAAA8zMzADAwP8Af39/AAAAAAAAAAAAAAAAAAAAAAAAAAAAIQAAABgAAAAUAAAAHyYAANgJAABARwAAsCUAABAAAAAmAAAACAAAAAGAAAAAAAAA"/>
               </a:ext>
             </a:extLst>
           </p:cNvSpPr>
@@ -1425,7 +1426,7 @@
             <a:spLocks noGrp="1" noChangeArrowheads="1"/>
             <a:extLst>
               <a:ext uri="smNativeData">
-                <pr:smNativeData xmlns:pr="smNativeData" xmlns="smNativeData" val="SMDATA_15_D/RJaRMAAAAlAAAAZAAAAA0AAAAAkAAAAEgAAACQAAAASAAAAAAAAAABAAAAAAAAAAEAAABQAAAAAAAAAAAA4D8AAAAAAADgPwAAAAAAAOA/AAAAAAAA4D8AAAAAAADgPwAAAAAAAOA/AAAAAAAA4D8AAAAAAADgPwAAAAAAAOA/AAAAAAAA4D8CAAAAjAAAAAAAAAAAAAAAu+DjDP///wgAAAAAAAAAAAAAAAAAAAAAAAAAAAAAAAAAAAAAZAAAAAEAAABAAAAAAAAAAAAAAAAAAAAAAAAAAAAAAAAAAAAAAAAAAAAAAAAAAAAAAAAAAAAAAAAAAAAAAAAAAAAAAAAAAAAAAAAAAAAAAAAAAAAAAAAAAAAAAAAAAAAAFAAAADwAAAAAAAAAAAAAAAAAAAkUAAAAAQAAABQAAAAUAAAAFAAAAAEAAAAAAAAAZAAAAGQAAAAAAAAAZAAAAGQAAAAVAAAAYAAAAAAAAAAAAAAADwAAACADAAAAAAAAAAAAAAEAAACgMgAAVgcAAKr4//8BAAAAf39/AAEAAABkAAAAAAAAABQAAABAHwAAAAAAACYAAAAAAAAAwOD//wAAAAAmAAAAZAAAABYAAABMAAAAAAAAAAAAAAAEAAAAAAAAAAEAAACAgIAKAAAAACgAAAAoAAAAZAAAAGQAAAAAAAAAzMzMAAAAAABQAAAAUAAAAGQAAABkAAAAAAAAABcAAAAUAAAAAAAAAAAAAAD/fwAA/38AAAAAAAAJAAAABAAAAAAAAAAeAAAAaAAAAAAAAAAAAAAAAAAAAAAAAAAAAAAAECcAABAnAAAAAAAAAAAAAAAAAAAAAAAAAAAAAAAAAAAAAAAAAAAAABQAAAAAAAAAwMD/AAAAAABkAAAAMgAAAAAAAABkAAAAAAAAAH9/fwAKAAAAIgAAABgAAAAAAAAAAAAAAAAAAAAAAAAAAAAAAAAAAAAkAAAAJAAAAAAAAAAHAAAAAAAAAAAAAAAAAAAAAAAAAAAAAAAAAAAAf39/ACUAAABYAAAAAAAAAAAAAAAAAAAAAAAAAAAAAAAAAAAAAAAAAAAAAAAAAAAAAAAAAAAAAAA/AAAAAAAAAKCGAQAAAAAAAAAAAAAAAAAMAAAAAQAAAAAAAAAAAAAAAAAAAB8AAABUAAAAAAAABQAAAAEAAAAAAAAAAAAAAAAAAAAAAAAAAAAAAAAAAAAAAAAAAAAAAAJ/f38AAAAAA8zMzADAwP8Af39/AAAAAAAAAAAAAAAAAAAAAAAAAAAAIQAAABgAAAAUAAAAwAMAABsnAAA/FQAAWSkAABAAAAAmAAAACAAAAAAAAAAAAAAA"/>
+                <pr:smNativeData xmlns:pr="smNativeData" xmlns="smNativeData" val="SMDATA_15_PhJKaRMAAAAlAAAAZAAAAA0AAAAAkAAAAEgAAACQAAAASAAAAAAAAAABAAAAAAAAAAEAAABQAAAAAAAAAAAA4D8AAAAAAADgPwAAAAAAAOA/AAAAAAAA4D8AAAAAAADgPwAAAAAAAOA/AAAAAAAA4D8AAAAAAADgPwAAAAAAAOA/AAAAAAAA4D8CAAAAjAAAAAAAAAAAAAAAu+DjDP///wgAAAAAAAAAAAAAAAAAAAAAAAAAAAAAAAAAAAAAZAAAAAEAAABAAAAAAAAAAAAAAAAAAAAAAAAAAAAAAAAAAAAAAAAAAAAAAAAAAAAAAAAAAAAAAAAAAAAAAAAAAAAAAAAAAAAAAAAAAAAAAAAAAAAAAAAAAAAAAAAAAAAAFAAAADwAAAAAAAAAAAAAAAAAAAkUAAAAAQAAABQAAAAUAAAAFAAAAAEAAAAAAAAAZAAAAGQAAAAAAAAAZAAAAGQAAAAVAAAAYAAAAAAAAAAAAAAADwAAACADAAAAAAAAAAAAAAEAAACgMgAAVgcAAKr4//8BAAAAf39/AAEAAABkAAAAAAAAABQAAABAHwAAAAAAACYAAAAAAAAAwOD//wAAAAAmAAAAZAAAABYAAABMAAAAAAAAAAAAAAAEAAAAAAAAAAEAAACAgIAKAAAAACgAAAAoAAAAZAAAAGQAAAAAAAAAzMzMAAAAAABQAAAAUAAAAGQAAABkAAAAAAAAABcAAAAUAAAAAAAAAAAAAAD/fwAA/38AAAAAAAAJAAAABAAAAAAAAAAeAAAAaAAAAAAAAAAAAAAAAAAAAAAAAAAAAAAAECcAABAnAAAAAAAAAAAAAAAAAAAAAAAAAAAAAAAAAAAAAAAAAAAAABQAAAAAAAAAwMD/AAAAAABkAAAAMgAAAAAAAABkAAAAAAAAAH9/fwAKAAAAIgAAABgAAAAAAAAAAAAAAAAAAAAAAAAAAAAAAAAAAAAkAAAAJAAAAAAAAAAHAAAAAAAAAAAAAAAAAAAAAAAAAAAAAAAAAAAAf39/ACUAAABYAAAAAAAAAAAAAAAAAAAAAAAAAAAAAAAAAAAAAAAAAAAAAAAAAAAAAAAAAAAAAAA/AAAAAAAAAKCGAQAAAAAAAAAAAAAAAAAMAAAAAQAAAAAAAAAAAAAAAAAAAB8AAABUAAAAAAAABQAAAAEAAAAAAAAAAAAAAAAAAAAAAAAAAAAAAAAAAAAAAAAAAAAAAAJ/f38AAAAAA8zMzADAwP8Af39/AAAAAAAAAAAAAAAAAAAAAAAAAAAAIQAAABgAAAAUAAAAwAMAABsnAAA/FQAAWSkAABAAAAAmAAAACAAAAAAAAAAAAAAA"/>
               </a:ext>
             </a:extLst>
           </p:cNvSpPr>
@@ -1439,7 +1440,7 @@
           <a:lstStyle/>
           <a:p>
             <a:pPr/>
-            <a:fld id="{0C3DC82A-64E1-683E-AF85-926B86CB59C7}" type="datetime1">
+            <a:fld id="{0CA7C2C1-8FE1-F234-AF1F-79618C51592C}" type="datetime1">
               <a:t>12/16/2025</a:t>
             </a:fld>
           </a:p>
@@ -1452,7 +1453,7 @@
             <a:spLocks noGrp="1" noChangeArrowheads="1"/>
             <a:extLst>
               <a:ext uri="smNativeData">
-                <pr:smNativeData xmlns:pr="smNativeData" xmlns="smNativeData" val="SMDATA_15_D/RJaRMAAAAlAAAAZAAAAA0AAAAAkAAAAEgAAACQAAAASAAAAAAAAAABAAAAAAAAAAEAAABQAAAAAAAAAAAA4D8AAAAAAADgPwAAAAAAAOA/AAAAAAAA4D8AAAAAAADgPwAAAAAAAOA/AAAAAAAA4D8AAAAAAADgPwAAAAAAAOA/AAAAAAAA4D8CAAAAjAAAAAAAAAAAAAAAu+DjDP///wgAAAAAAAAAAAAAAAAAAAAAAAAAAAAAAAAAAAAAZAAAAAEAAABAAAAAAAAAAAAAAAAAAAAAAAAAAAAAAAAAAAAAAAAAAAAAAAAAAAAAAAAAAAAAAAAAAAAAAAAAAAAAAAAAAAAAAAAAAAAAAAAAAAAAAAAAAAAAAAAAAAAAFAAAADwAAAAAAAAAAAAAAAAAAAkUAAAAAQAAABQAAAAUAAAAFAAAAAEAAAAAAAAAZAAAAGQAAAAAAAAAZAAAAGQAAAAVAAAAYAAAAAAAAAAAAAAADwAAACADAAAAAAAAAAAAAAEAAACgMgAAVgcAAKr4//8BAAAAf39/AAEAAABkAAAAAAAAABQAAABAHwAAAAAAACYAAAAAAAAAwOD//wAAAAAmAAAAZAAAABYAAABMAAAAAAAAAAAAAAAEAAAAAAAAAAEAAACAgIAKAAAAACgAAAAoAAAAZAAAAGQAAAAAAAAAzMzMAAAAAABQAAAAUAAAAGQAAABkAAAAAAAAABcAAAAUAAAAAAAAAAAAAAD/fwAA/38AAAAAAAAJAAAABAAAAAAAAAAeAAAAaAAAAAAAAAAAAAAAAAAAAAAAAAAAAAAAECcAABAnAAAAAAAAAAAAAAAAAAAAAAAAAAAAAAAAAAAAAAAAAAAAABQAAAAAAAAAwMD/AAAAAABkAAAAMgAAAAAAAABkAAAAAAAAAH9/fwAKAAAAIgAAABgAAAAAAAAAAAAAAAAAAAAAAAAAAAAAAAAAAAAkAAAAJAAAAAAAAAAHAAAAAAAAAAAAAAAAAAAAAAAAAAAAAAAAAAAAf39/ACUAAABYAAAAAAAAAAAAAAAAAAAAAAAAAAAAAAAAAAAAAAAAAAAAAAAAAAAAAAAAAAAAAAA/AAAAAAAAAKCGAQAAAAAAAAAAAAAAAAAMAAAAAQAAAAAAAAAAAAAAAAAAAB8AAABUAAAAAAAABQAAAAEAAAAAAAAAAAAAAAAAAAAAAAAAAAAAAAAAAAAAAAAAAAAAAAJ/f38AAAAAA8zMzADAwP8Af39/AAAAAAAAAAAAAAAAAAAAAAAAAAAAIQAAABgAAAAUAAAAoRkAABsnAABfMQAAWSkAABAAAAAmAAAACAAAAAAAAAAAAAAA"/>
+                <pr:smNativeData xmlns:pr="smNativeData" xmlns="smNativeData" val="SMDATA_15_PhJKaRMAAAAlAAAAZAAAAA0AAAAAkAAAAEgAAACQAAAASAAAAAAAAAABAAAAAAAAAAEAAABQAAAAAAAAAAAA4D8AAAAAAADgPwAAAAAAAOA/AAAAAAAA4D8AAAAAAADgPwAAAAAAAOA/AAAAAAAA4D8AAAAAAADgPwAAAAAAAOA/AAAAAAAA4D8CAAAAjAAAAAAAAAAAAAAAu+DjDP///wgAAAAAAAAAAAAAAAAAAAAAAAAAAAAAAAAAAAAAZAAAAAEAAABAAAAAAAAAAAAAAAAAAAAAAAAAAAAAAAAAAAAAAAAAAAAAAAAAAAAAAAAAAAAAAAAAAAAAAAAAAAAAAAAAAAAAAAAAAAAAAAAAAAAAAAAAAAAAAAAAAAAAFAAAADwAAAAAAAAAAAAAAAAAAAkUAAAAAQAAABQAAAAUAAAAFAAAAAEAAAAAAAAAZAAAAGQAAAAAAAAAZAAAAGQAAAAVAAAAYAAAAAAAAAAAAAAADwAAACADAAAAAAAAAAAAAAEAAACgMgAAVgcAAKr4//8BAAAAf39/AAEAAABkAAAAAAAAABQAAABAHwAAAAAAACYAAAAAAAAAwOD//wAAAAAmAAAAZAAAABYAAABMAAAAAAAAAAAAAAAEAAAAAAAAAAEAAACAgIAKAAAAACgAAAAoAAAAZAAAAGQAAAAAAAAAzMzMAAAAAABQAAAAUAAAAGQAAABkAAAAAAAAABcAAAAUAAAAAAAAAAAAAAD/fwAA/38AAAAAAAAJAAAABAAAAAAAAAAeAAAAaAAAAAAAAAAAAAAAAAAAAAAAAAAAAAAAECcAABAnAAAAAAAAAAAAAAAAAAAAAAAAAAAAAAAAAAAAAAAAAAAAABQAAAAAAAAAwMD/AAAAAABkAAAAMgAAAAAAAABkAAAAAAAAAH9/fwAKAAAAIgAAABgAAAAAAAAAAAAAAAAAAAAAAAAAAAAAAAAAAAAkAAAAJAAAAAAAAAAHAAAAAAAAAAAAAAAAAAAAAAAAAAAAAAAAAAAAf39/ACUAAABYAAAAAAAAAAAAAAAAAAAAAAAAAAAAAAAAAAAAAAAAAAAAAAAAAAAAAAAAAAAAAAA/AAAAAAAAAKCGAQAAAAAAAAAAAAAAAAAMAAAAAQAAAAAAAAAAAAAAAAAAAB8AAABUAAAAAAAABQAAAAEAAAAAAAAAAAAAAAAAAAAAAAAAAAAAAAAAAAAAAAAAAAAAAAJ/f38AAAAAA8zMzADAwP8Af39/AAAAAAAAAAAAAAAAAAAAAAAAAAAAIQAAABgAAAAUAAAAoRkAABsnAABfMQAAWSkAABAAAAAmAAAACAAAAAAAAAAAAAAA"/>
               </a:ext>
             </a:extLst>
           </p:cNvSpPr>
@@ -1476,7 +1477,7 @@
             <a:spLocks noGrp="1" noChangeArrowheads="1"/>
             <a:extLst>
               <a:ext uri="smNativeData">
-                <pr:smNativeData xmlns:pr="smNativeData" xmlns="smNativeData" val="SMDATA_15_D/RJaRMAAAAlAAAAZAAAAA0AAAAAkAAAAEgAAACQAAAASAAAAAAAAAABAAAAAAAAAAEAAABQAAAAAAAAAAAA4D8AAAAAAADgPwAAAAAAAOA/AAAAAAAA4D8AAAAAAADgPwAAAAAAAOA/AAAAAAAA4D8AAAAAAADgPwAAAAAAAOA/AAAAAAAA4D8CAAAAjAAAAAAAAAAAAAAAu+DjDP///wgAAAAAAAAAAAAAAAAAAAAAAAAAAAAAAAAAAAAAZAAAAAEAAABAAAAAAAAAAAAAAAAAAAAAAAAAAAAAAAAAAAAAAAAAAAAAAAAAAAAAAAAAAAAAAAAAAAAAAAAAAAAAAAAAAAAAAAAAAAAAAAAAAAAAAAAAAAAAAAAAAAAAFAAAADwAAAAAAAAAAAAAAAAAAAkUAAAAAQAAABQAAAAUAAAAFAAAAAEAAAAAAAAAZAAAAGQAAAAAAAAAZAAAAGQAAAAVAAAAYAAAAAAAAAAAAAAADwAAACADAAAAAAAAAAAAAAEAAACgMgAAVgcAAKr4//8BAAAAf39/AAEAAABkAAAAAAAAABQAAABAHwAAAAAAACYAAAAAAAAAwOD//wAAAAAmAAAAZAAAABYAAABMAAAAAAAAAAAAAAAEAAAAAAAAAAEAAACAgIAKAAAAACgAAAAoAAAAZAAAAGQAAAAAAAAAzMzMAAAAAABQAAAAUAAAAGQAAABkAAAAAAAAABcAAAAUAAAAAAAAAAAAAAD/fwAA/38AAAAAAAAJAAAABAAAAOrv9v8eAAAAaAAAAAAAAAAAAAAAAAAAAAAAAAAAAAAAECcAABAnAAAAAAAAAAAAAAAAAAAAAAAAAAAAAAAAAAAAAAAAAAAAABQAAAAAAAAAwMD/AAAAAABkAAAAMgAAAAAAAABkAAAAAAAAAH9/fwAKAAAAIgAAABgAAAAAAAAAAAAAAAAAAAAAAAAAAAAAAAAAAAAkAAAAJAAAAAAAAAAHAAAAAAAAAAAAAAAAAAAAAAAAAAAAAAAAAAAAf39/ACUAAABYAAAAAAAAAAAAAAAAAAAAAAAAAAAAAAAAAAAAAAAAAAAAAAAAAAAAAAAAAAAAAAA/AAAAAAAAAKCGAQAAAAAAAAAAAAAAAAAMAAAAAQAAAAAAAAAAAAAAAAAAAB8AAABUAAAAAAAABQAAAAEAAAAAAAAAAAAAAAAAAAAAAAAAAAAAAAAAAAAAAAAAAAAAAAJ/f38AAAAAA8zMzADAwP8Af39/AAAAAAAAAAAAAAAAAAAAAAAAAAAAIQAAABgAAAAUAAAAwTUAABsnAABARwAAWSkAABAAAAAmAAAACAAAAAAAAAAAAAAA"/>
+                <pr:smNativeData xmlns:pr="smNativeData" xmlns="smNativeData" val="SMDATA_15_PhJKaRMAAAAlAAAAZAAAAA0AAAAAkAAAAEgAAACQAAAASAAAAAAAAAABAAAAAAAAAAEAAABQAAAAAAAAAAAA4D8AAAAAAADgPwAAAAAAAOA/AAAAAAAA4D8AAAAAAADgPwAAAAAAAOA/AAAAAAAA4D8AAAAAAADgPwAAAAAAAOA/AAAAAAAA4D8CAAAAjAAAAAAAAAAAAAAAu+DjDP///wgAAAAAAAAAAAAAAAAAAAAAAAAAAAAAAAAAAAAAZAAAAAEAAABAAAAAAAAAAAAAAAAAAAAAAAAAAAAAAAAAAAAAAAAAAAAAAAAAAAAAAAAAAAAAAAAAAAAAAAAAAAAAAAAAAAAAAAAAAAAAAAAAAAAAAAAAAAAAAAAAAAAAFAAAADwAAAAAAAAAAAAAAAAAAAkUAAAAAQAAABQAAAAUAAAAFAAAAAEAAAAAAAAAZAAAAGQAAAAAAAAAZAAAAGQAAAAVAAAAYAAAAAAAAAAAAAAADwAAACADAAAAAAAAAAAAAAEAAACgMgAAVgcAAKr4//8BAAAAf39/AAEAAABkAAAAAAAAABQAAABAHwAAAAAAACYAAAAAAAAAwOD//wAAAAAmAAAAZAAAABYAAABMAAAAAAAAAAAAAAAEAAAAAAAAAAEAAACAgIAKAAAAACgAAAAoAAAAZAAAAGQAAAAAAAAAzMzMAAAAAABQAAAAUAAAAGQAAABkAAAAAAAAABcAAAAUAAAAAAAAAAAAAAD/fwAA/38AAAAAAAAJAAAABAAAAOrv9v8eAAAAaAAAAAAAAAAAAAAAAAAAAAAAAAAAAAAAECcAABAnAAAAAAAAAAAAAAAAAAAAAAAAAAAAAAAAAAAAAAAAAAAAABQAAAAAAAAAwMD/AAAAAABkAAAAMgAAAAAAAABkAAAAAAAAAH9/fwAKAAAAIgAAABgAAAAAAAAAAAAAAAAAAAAAAAAAAAAAAAAAAAAkAAAAJAAAAAAAAAAHAAAAAAAAAAAAAAAAAAAAAAAAAAAAAAAAAAAAf39/ACUAAABYAAAAAAAAAAAAAAAAAAAAAAAAAAAAAAAAAAAAAAAAAAAAAAAAAAAAAAAAAAAAAAA/AAAAAAAAAKCGAQAAAAAAAAAAAAAAAAAMAAAAAQAAAAAAAAAAAAAAAAAAAB8AAABUAAAAAAAABQAAAAEAAAAAAAAAAAAAAAAAAAAAAAAAAAAAAAAAAAAAAAAAAAAAAAJ/f38AAAAAA8zMzADAwP8Af39/AAAAAAAAAAAAAAAAAAAAAAAAAAAAIQAAABgAAAAUAAAAwTUAABsnAABARwAAWSkAABAAAAAmAAAACAAAAAAAAAAAAAAA"/>
               </a:ext>
             </a:extLst>
           </p:cNvSpPr>
@@ -1490,7 +1491,7 @@
           <a:lstStyle/>
           <a:p>
             <a:pPr/>
-            <a:fld id="{0C3DBDAF-E1E1-684B-AF85-171EF3CB5942}" type="slidenum">
+            <a:fld id="{0CA7C6FE-B0E1-F230-AF1F-466588515913}" type="slidenum">
               <a:t>‹#›</a:t>
             </a:fld>
           </a:p>
@@ -1529,7 +1530,7 @@
             <a:spLocks noGrp="1" noChangeArrowheads="1"/>
             <a:extLst>
               <a:ext uri="smNativeData">
-                <pr:smNativeData xmlns:pr="smNativeData" xmlns="smNativeData" val="SMDATA_15_D/RJaRMAAAAlAAAAZAAAAA0AAAAAkAAAAEgAAACQAAAASAAAAAAAAAABAAAAAAAAAAEAAABQAAAAAAAAAAAA4D8AAAAAAADgPwAAAAAAAOA/AAAAAAAA4D8AAAAAAADgPwAAAAAAAOA/AAAAAAAA4D8AAAAAAADgPwAAAAAAAOA/AAAAAAAA4D8CAAAAjAAAAAAAAAAAAAAAu+DjDP///wgAAAAAAAAAAAAAAAAAAAAAAAAAAAAAAAAAAAAAZAAAAAEAAABAAAAAAAAAAAAAAAAAAAAAAAAAAAAAAAAAAAAAAAAAAAAAAAAAAAAAAAAAAAAAAAAAAAAAAAAAAAAAAAAAAAAAAAAAAAAAAAAAAAAAAAAAAAAAAAAAAAAAFAAAADwAAAAAAAAAAAAAAAAAAAkUAAAAAQAAABQAAAAUAAAAFAAAAAEAAAAAAAAAZAAAAGQAAAAAAAAAZAAAAGQAAAAVAAAAYAAAAAAAAAAAAAAADwAAACADAAAAAAAAAAAAAAEAAACgMgAAVgcAAKr4//8BAAAAf39/AAEAAABkAAAAAAAAABQAAABAHwAAAAAAACYAAAAAAAAAwOD//wAAAAAmAAAAZAAAABYAAABMAAAAAAAAAAAAAAAEAAAAAAAAAAEAAACAgIAKAAAAACgAAAAoAAAAZAAAAGQAAAAAAAAAzMzMAAAAAABQAAAAUAAAAGQAAABkAAAAAAAAABcAAAAUAAAAAAAAAAAAAAD/fwAA/38AAAAAAAAJAAAABAAAAPL1+v8eAAAAaAAAAAAAAAAAAAAAAAAAAAAAAAAAAAAAECcAABAnAAAAAAAAAAAAAAAAAAAAAAAAAAAAAAAAAAAAAAAAAAAAABQAAAAAAAAAwMD/AAAAAABkAAAAMgAAAAAAAABkAAAAAAAAAH9/fwAKAAAAIgAAABgAAAAAAAAAAAAAAAAAAAAAAAAAAAAAAAAAAAAkAAAAJAAAAAAAAAAHAAAAAAAAAAAAAAAAAAAAAAAAAAAAAAAAAAAAf39/ACUAAABYAAAAAAAAAAAAAAAAAAAAAAAAAAAAAAAAAAAAAAAAAAAAAAAAAAAAAAAAAAAAAAA/AAAAAAAAAKCGAQAAAAAAAAAAAAAAAAAMAAAAAQAAAAAAAAAAAAAAAAAAAB8AAABUAAAAAAAABQAAAAEAAAAAAAAAAAAAAAAAAAAAAAAAAAAAAAAAAAAAAAAAAAAAAAJ/f38AAAAAA8zMzADAwP8Af39/AAAAAAAAAAAAAAAAAAAAAAAAAAAAIQAAABgAAAAUAAAAwAMAALABAABARwAAuAgAABAAAAAmAAAACAAAAAAAAAAAAAAA"/>
+                <pr:smNativeData xmlns:pr="smNativeData" xmlns="smNativeData" val="SMDATA_15_PhJKaRMAAAAlAAAAZAAAAA0AAAAAkAAAAEgAAACQAAAASAAAAAAAAAABAAAAAAAAAAEAAABQAAAAAAAAAAAA4D8AAAAAAADgPwAAAAAAAOA/AAAAAAAA4D8AAAAAAADgPwAAAAAAAOA/AAAAAAAA4D8AAAAAAADgPwAAAAAAAOA/AAAAAAAA4D8CAAAAjAAAAAAAAAAAAAAAu+DjDP///wgAAAAAAAAAAAAAAAAAAAAAAAAAAAAAAAAAAAAAZAAAAAEAAABAAAAAAAAAAAAAAAAAAAAAAAAAAAAAAAAAAAAAAAAAAAAAAAAAAAAAAAAAAAAAAAAAAAAAAAAAAAAAAAAAAAAAAAAAAAAAAAAAAAAAAAAAAAAAAAAAAAAAFAAAADwAAAAAAAAAAAAAAAAAAAkUAAAAAQAAABQAAAAUAAAAFAAAAAEAAAAAAAAAZAAAAGQAAAAAAAAAZAAAAGQAAAAVAAAAYAAAAAAAAAAAAAAADwAAACADAAAAAAAAAAAAAAEAAACgMgAAVgcAAKr4//8BAAAAf39/AAEAAABkAAAAAAAAABQAAABAHwAAAAAAACYAAAAAAAAAwOD//wAAAAAmAAAAZAAAABYAAABMAAAAAAAAAAAAAAAEAAAAAAAAAAEAAACAgIAKAAAAACgAAAAoAAAAZAAAAGQAAAAAAAAAzMzMAAAAAABQAAAAUAAAAGQAAABkAAAAAAAAABcAAAAUAAAAAAAAAAAAAAD/fwAA/38AAAAAAAAJAAAABAAAAPL1+v8eAAAAaAAAAAAAAAAAAAAAAAAAAAAAAAAAAAAAECcAABAnAAAAAAAAAAAAAAAAAAAAAAAAAAAAAAAAAAAAAAAAAAAAABQAAAAAAAAAwMD/AAAAAABkAAAAMgAAAAAAAABkAAAAAAAAAH9/fwAKAAAAIgAAABgAAAAAAAAAAAAAAAAAAAAAAAAAAAAAAAAAAAAkAAAAJAAAAAAAAAAHAAAAAAAAAAAAAAAAAAAAAAAAAAAAAAAAAAAAf39/ACUAAABYAAAAAAAAAAAAAAAAAAAAAAAAAAAAAAAAAAAAAAAAAAAAAAAAAAAAAAAAAAAAAAA/AAAAAAAAAKCGAQAAAAAAAAAAAAAAAAAMAAAAAQAAAAAAAAAAAAAAAAAAAB8AAABUAAAAAAAABQAAAAEAAAAAAAAAAAAAAAAAAAAAAAAAAAAAAAAAAAAAAAAAAAAAAAJ/f38AAAAAA8zMzADAwP8Af39/AAAAAAAAAAAAAAAAAAAAAAAAAAAAIQAAABgAAAAUAAAAwAMAALABAABARwAAuAgAABAAAAAmAAAACAAAAAAAAAAAAAAA"/>
               </a:ext>
             </a:extLst>
           </p:cNvSpPr>
@@ -1556,7 +1557,7 @@
             <a:spLocks noGrp="1" noChangeArrowheads="1"/>
             <a:extLst>
               <a:ext uri="smNativeData">
-                <pr:smNativeData xmlns:pr="smNativeData" xmlns="smNativeData" val="SMDATA_15_D/RJaRMAAAAlAAAAZAAAAA0AAAAAkAAAAEgAAACQAAAASAAAAAAAAAACAAAAAAAAAAEAAABQAAAAAAAAAAAA4D8AAAAAAADgPwAAAAAAAOA/AAAAAAAA4D8AAAAAAADgPwAAAAAAAOA/AAAAAAAA4D8AAAAAAADgPwAAAAAAAOA/AAAAAAAA4D8CAAAAjAAAAAAAAAAAAAAAu+DjDP///wgAAAAAAAAAAAAAAAAAAAAAAAAAAAAAAAAAAAAAZAAAAAEAAABAAAAAAAAAAAAAAAAAAAAAAAAAAAAAAAAAAAAAAAAAAAAAAAAAAAAAAAAAAAAAAAAAAAAAAAAAAAAAAAAAAAAAAAAAAAAAAAAAAAAAAAAAAAAAAAAAAAAAFAAAADwAAAAAAAAAAAAAAAAAAAkUAAAAAQAAABQAAAAUAAAAFAAAAAEAAAAAAAAAZAAAAGQAAAAAAAAAZAAAAGQAAAAVAAAAYAAAAAAAAAAAAAAADwAAACADAAAAAAAAAAAAAAEAAACgMgAAVgcAAKr4//8BAAAAf39/AAEAAABkAAAAAAAAABQAAABAHwAAAAAAACYAAAAAAAAAwOD//wAAAAAmAAAAZAAAABYAAABMAAAAAAAAAAAAAAAEAAAAAAAAAAEAAACAgIAKAAAAACgAAAAoAAAAZAAAAGQAAAAAAAAAzMzMAAAAAABQAAAAUAAAAGQAAABkAAAAAAAAABcAAAAUAAAAAAAAAAAAAAD/fwAA/38AAAAAAAAJAAAABAAAAAAAAAAeAAAAaAAAAAAAAAAAAAAAAAAAAAAAAAAAAAAAECcAABAnAAAAAAAAAAAAAAAAAAAAAAAAAAAAAAAAAAAAAAAAAAAAABQAAAAAAAAAwMD/AAAAAABkAAAAMgAAAAAAAABkAAAAAAAAAH9/fwAKAAAAIgAAABgAAAAAAAAAAAAAAAAAAAAAAAAAAAAAAAAAAAAkAAAAJAAAAAAAAAAHAAAAAAAAAAAAAAAAAAAAAAAAAAAAAAAAAAAAf39/ACUAAABYAAAAAAAAAAAAAAAAAAAAAAAAAAAAAAAAAAAAAAAAAAAAAAAAAAAAAAAAAAAAAAA/AAAAAAAAAKCGAQAAAAAAAAAAAAAAAAAMAAAAAQAAAAAAAAAAAAAAAAAAAB8AAABUAAAAAAAABQAAAAEAAAAAAAAAAAAAAAAAAAAAAAAAAAAAAAAAAAAAAAAAAAAAAAJ/f38AAAAAA8zMzADAwP8Af39/AAAAAAAAAAAAAAAAAAAAAAAAAAAAIQAAABgAAAAUAAAAwAMAAHEJAADjJAAAYQ0AABAAAAAmAAAACAAAAIGQAAAAAAAA"/>
+                <pr:smNativeData xmlns:pr="smNativeData" xmlns="smNativeData" val="SMDATA_15_PhJKaRMAAAAlAAAAZAAAAA0AAAAAkAAAAEgAAACQAAAASAAAAAAAAAACAAAAAAAAAAEAAABQAAAAAAAAAAAA4D8AAAAAAADgPwAAAAAAAOA/AAAAAAAA4D8AAAAAAADgPwAAAAAAAOA/AAAAAAAA4D8AAAAAAADgPwAAAAAAAOA/AAAAAAAA4D8CAAAAjAAAAAAAAAAAAAAAu+DjDP///wgAAAAAAAAAAAAAAAAAAAAAAAAAAAAAAAAAAAAAZAAAAAEAAABAAAAAAAAAAAAAAAAAAAAAAAAAAAAAAAAAAAAAAAAAAAAAAAAAAAAAAAAAAAAAAAAAAAAAAAAAAAAAAAAAAAAAAAAAAAAAAAAAAAAAAAAAAAAAAAAAAAAAFAAAADwAAAAAAAAAAAAAAAAAAAkUAAAAAQAAABQAAAAUAAAAFAAAAAEAAAAAAAAAZAAAAGQAAAAAAAAAZAAAAGQAAAAVAAAAYAAAAAAAAAAAAAAADwAAACADAAAAAAAAAAAAAAEAAACgMgAAVgcAAKr4//8BAAAAf39/AAEAAABkAAAAAAAAABQAAABAHwAAAAAAACYAAAAAAAAAwOD//wAAAAAmAAAAZAAAABYAAABMAAAAAAAAAAAAAAAEAAAAAAAAAAEAAACAgIAKAAAAACgAAAAoAAAAZAAAAGQAAAAAAAAAzMzMAAAAAABQAAAAUAAAAGQAAABkAAAAAAAAABcAAAAUAAAAAAAAAAAAAAD/fwAA/38AAAAAAAAJAAAABAAAAAAAAAAeAAAAaAAAAAAAAAAAAAAAAAAAAAAAAAAAAAAAECcAABAnAAAAAAAAAAAAAAAAAAAAAAAAAAAAAAAAAAAAAAAAAAAAABQAAAAAAAAAwMD/AAAAAABkAAAAMgAAAAAAAABkAAAAAAAAAH9/fwAKAAAAIgAAABgAAAAAAAAAAAAAAAAAAAAAAAAAAAAAAAAAAAAkAAAAJAAAAAAAAAAHAAAAAAAAAAAAAAAAAAAAAAAAAAAAAAAAAAAAf39/ACUAAABYAAAAAAAAAAAAAAAAAAAAAAAAAAAAAAAAAAAAAAAAAAAAAAAAAAAAAAAAAAAAAAA/AAAAAAAAAKCGAQAAAAAAAAAAAAAAAAAMAAAAAQAAAAAAAAAAAAAAAAAAAB8AAABUAAAAAAAABQAAAAEAAAAAAAAAAAAAAAAAAAAAAAAAAAAAAAAAAAAAAAAAAAAAAAJ/f38AAAAAA8zMzADAwP8Af39/AAAAAAAAAAAAAAAAAAAAAAAAAAAAIQAAABgAAAAUAAAAwAMAAHEJAADjJAAAYQ0AABAAAAAmAAAACAAAAIGQAAAAAAAA"/>
               </a:ext>
             </a:extLst>
           </p:cNvSpPr>
@@ -1629,7 +1630,7 @@
             <a:spLocks noGrp="1" noChangeArrowheads="1"/>
             <a:extLst>
               <a:ext uri="smNativeData">
-                <pr:smNativeData xmlns:pr="smNativeData" xmlns="smNativeData" val="SMDATA_15_D/RJaRMAAAAlAAAAZAAAAA0AAAAAkAAAAEgAAACQAAAASAAAAAAAAAAAAAAAAAAAAAEAAABQAAAAAAAAAAAA4D8AAAAAAADgPwAAAAAAAOA/AAAAAAAA4D8AAAAAAADgPwAAAAAAAOA/AAAAAAAA4D8AAAAAAADgPwAAAAAAAOA/AAAAAAAA4D8CAAAAjAAAAAAAAAAAAAAAu+DjDP///wgAAAAAAAAAAAAAAAAAAAAAAAAAAAAAAAAAAAAAZAAAAAEAAABAAAAAAAAAAAAAAAAAAAAAAAAAAAAAAAAAAAAAAAAAAAAAAAAAAAAAAAAAAAAAAAAAAAAAAAAAAAAAAAAAAAAAAAAAAAAAAAAAAAAAAAAAAAAAAAAAAAAAFAAAADwAAAAAAAAAAAAAAAAAAAkUAAAAAQAAABQAAAAUAAAAFAAAAAEAAAAAAAAAZAAAAGQAAAAAAAAAZAAAAGQAAAAVAAAAYAAAAAAAAAAAAAAADwAAACADAAAAAAAAAAAAAAEAAACgMgAAVgcAAKr4//8BAAAAf39/AAEAAABkAAAAAAAAABQAAABAHwAAAAAAACYAAAAAAAAAwOD//wAAAAAmAAAAZAAAABYAAABMAAAAAAAAAAAAAAAEAAAAAAAAAAEAAACAgIAKAAAAACgAAAAoAAAAZAAAAGQAAAAAAAAAzMzMAAAAAABQAAAAUAAAAGQAAABkAAAAAAAAABcAAAAUAAAAAAAAAAAAAAD/fwAA/38AAAAAAAAJAAAABAAAAAAAAAAeAAAAaAAAAAAAAAAAAAAAAAAAAAAAAAAAAAAAECcAABAnAAAAAAAAAAAAAAAAAAAAAAAAAAAAAAAAAAAAAAAAAAAAABQAAAAAAAAAwMD/AAAAAABkAAAAMgAAAAAAAABkAAAAAAAAAH9/fwAKAAAAIgAAABgAAAAAAAAAAAAAAAAAAAAAAAAAAAAAAAAAAAAkAAAAJAAAAAAAAAAHAAAAAAAAAAAAAAAAAAAAAAAAAAAAAAAAAAAAf39/ACUAAABYAAAAAAAAAAAAAAAAAAAAAAAAAAAAAAAAAAAAAAAAAAAAAAAAAAAAAAAAAAAAAAA/AAAAAAAAAKCGAQAAAAAAAAAAAAAAAAAMAAAAAQAAAAAAAAAAAAAAAAAAAB8AAABUAAAAAAAABQAAAAEAAAAAAAAAAAAAAAAAAAAAAAAAAAAAAAAAAAAAAAAAAAAAAAJ/f38AAAAAA8zMzADAwP8Af39/AAAAAAAAAAAAAAAAAAAAAAAAAAAAIQAAABgAAAAUAAAAwAMAAGENAADjJAAAsCUAABAAAAAmAAAACAAAAAGAAAAAAAAA"/>
+                <pr:smNativeData xmlns:pr="smNativeData" xmlns="smNativeData" val="SMDATA_15_PhJKaRMAAAAlAAAAZAAAAA0AAAAAkAAAAEgAAACQAAAASAAAAAAAAAAAAAAAAAAAAAEAAABQAAAAAAAAAAAA4D8AAAAAAADgPwAAAAAAAOA/AAAAAAAA4D8AAAAAAADgPwAAAAAAAOA/AAAAAAAA4D8AAAAAAADgPwAAAAAAAOA/AAAAAAAA4D8CAAAAjAAAAAAAAAAAAAAAu+DjDP///wgAAAAAAAAAAAAAAAAAAAAAAAAAAAAAAAAAAAAAZAAAAAEAAABAAAAAAAAAAAAAAAAAAAAAAAAAAAAAAAAAAAAAAAAAAAAAAAAAAAAAAAAAAAAAAAAAAAAAAAAAAAAAAAAAAAAAAAAAAAAAAAAAAAAAAAAAAAAAAAAAAAAAFAAAADwAAAAAAAAAAAAAAAAAAAkUAAAAAQAAABQAAAAUAAAAFAAAAAEAAAAAAAAAZAAAAGQAAAAAAAAAZAAAAGQAAAAVAAAAYAAAAAAAAAAAAAAADwAAACADAAAAAAAAAAAAAAEAAACgMgAAVgcAAKr4//8BAAAAf39/AAEAAABkAAAAAAAAABQAAABAHwAAAAAAACYAAAAAAAAAwOD//wAAAAAmAAAAZAAAABYAAABMAAAAAAAAAAAAAAAEAAAAAAAAAAEAAACAgIAKAAAAACgAAAAoAAAAZAAAAGQAAAAAAAAAzMzMAAAAAABQAAAAUAAAAGQAAABkAAAAAAAAABcAAAAUAAAAAAAAAAAAAAD/fwAA/38AAAAAAAAJAAAABAAAAAAAAAAeAAAAaAAAAAAAAAAAAAAAAAAAAAAAAAAAAAAAECcAABAnAAAAAAAAAAAAAAAAAAAAAAAAAAAAAAAAAAAAAAAAAAAAABQAAAAAAAAAwMD/AAAAAABkAAAAMgAAAAAAAABkAAAAAAAAAH9/fwAKAAAAIgAAABgAAAAAAAAAAAAAAAAAAAAAAAAAAAAAAAAAAAAkAAAAJAAAAAAAAAAHAAAAAAAAAAAAAAAAAAAAAAAAAAAAAAAAAAAAf39/ACUAAABYAAAAAAAAAAAAAAAAAAAAAAAAAAAAAAAAAAAAAAAAAAAAAAAAAAAAAAAAAAAAAAA/AAAAAAAAAKCGAQAAAAAAAAAAAAAAAAAMAAAAAQAAAAAAAAAAAAAAAAAAAB8AAABUAAAAAAAABQAAAAEAAAAAAAAAAAAAAAAAAAAAAAAAAAAAAAAAAAAAAAAAAAAAAAJ/f38AAAAAA8zMzADAwP8Af39/AAAAAAAAAAAAAAAAAAAAAAAAAAAAIQAAABgAAAAUAAAAwAMAAGENAADjJAAAsCUAABAAAAAmAAAACAAAAAGAAAAAAAAA"/>
               </a:ext>
             </a:extLst>
           </p:cNvSpPr>
@@ -1713,7 +1714,7 @@
             <a:spLocks noGrp="1" noChangeArrowheads="1"/>
             <a:extLst>
               <a:ext uri="smNativeData">
-                <pr:smNativeData xmlns:pr="smNativeData" xmlns="smNativeData" val="SMDATA_15_D/RJaRMAAAAlAAAAZAAAAA0AAAAAkAAAAEgAAACQAAAASAAAAAAAAAACAAAAAAAAAAEAAABQAAAAAAAAAAAA4D8AAAAAAADgPwAAAAAAAOA/AAAAAAAA4D8AAAAAAADgPwAAAAAAAOA/AAAAAAAA4D8AAAAAAADgPwAAAAAAAOA/AAAAAAAA4D8CAAAAjAAAAAAAAAAAAAAAu+DjDP///wgAAAAAAAAAAAAAAAAAAAAAAAAAAAAAAAAAAAAAZAAAAAEAAABAAAAAAAAAAAAAAAAAAAAAAAAAAAAAAAAAAAAAAAAAAAAAAAAAAAAAAAAAAAAAAAAAAAAAAAAAAAAAAAAAAAAAAAAAAAAAAAAAAAAAAAAAAAAAAAAAAAAAFAAAADwAAAAAAAAAAAAAAAAAAAkUAAAAAQAAABQAAAAUAAAAFAAAAAEAAAAAAAAAZAAAAGQAAAAAAAAAZAAAAGQAAAAVAAAAYAAAAAAAAAAAAAAADwAAACADAAAAAAAAAAAAAAEAAACgMgAAVgcAAKr4//8BAAAAf39/AAEAAABkAAAAAAAAABQAAABAHwAAAAAAACYAAAAAAAAAwOD//wAAAAAmAAAAZAAAABYAAABMAAAAAAAAAAAAAAAEAAAAAAAAAAEAAACAgIAKAAAAACgAAAAoAAAAZAAAAGQAAAAAAAAAzMzMAAAAAABQAAAAUAAAAGQAAABkAAAAAAAAABcAAAAUAAAAAAAAAAAAAAD/fwAA/38AAAAAAAAJAAAABAAAAPL1+v8eAAAAaAAAAAAAAAAAAAAAAAAAAAAAAAAAAAAAECcAABAnAAAAAAAAAAAAAAAAAAAAAAAAAAAAAAAAAAAAAAAAAAAAABQAAAAAAAAAwMD/AAAAAABkAAAAMgAAAAAAAABkAAAAAAAAAH9/fwAKAAAAIgAAABgAAAAAAAAAAAAAAAAAAAAAAAAAAAAAAAAAAAAkAAAAJAAAAAAAAAAHAAAAAAAAAAAAAAAAAAAAAAAAAAAAAAAAAAAAf39/ACUAAABYAAAAAAAAAAAAAAAAAAAAAAAAAAAAAAAAAAAAAAAAAAAAAAAAAAAAAAAAAAAAAAA/AAAAAAAAAKCGAQAAAAAAAAAAAAAAAAAMAAAAAQAAAAAAAAAAAAAAAAAAAB8AAABUAAAAAAAABQAAAAEAAAAAAAAAAAAAAAAAAAAAAAAAAAAAAAAAAAAAAAAAAAAAAAJ/f38AAAAAA8zMzADAwP8Af39/AAAAAAAAAAAAAAAAAAAAAAAAAAAAIQAAABgAAAAUAAAAHSYAAHEJAABARwAAYQ0AABAAAAAmAAAACAAAAIGQAAAAAAAA"/>
+                <pr:smNativeData xmlns:pr="smNativeData" xmlns="smNativeData" val="SMDATA_15_PhJKaRMAAAAlAAAAZAAAAA0AAAAAkAAAAEgAAACQAAAASAAAAAAAAAACAAAAAAAAAAEAAABQAAAAAAAAAAAA4D8AAAAAAADgPwAAAAAAAOA/AAAAAAAA4D8AAAAAAADgPwAAAAAAAOA/AAAAAAAA4D8AAAAAAADgPwAAAAAAAOA/AAAAAAAA4D8CAAAAjAAAAAAAAAAAAAAAu+DjDP///wgAAAAAAAAAAAAAAAAAAAAAAAAAAAAAAAAAAAAAZAAAAAEAAABAAAAAAAAAAAAAAAAAAAAAAAAAAAAAAAAAAAAAAAAAAAAAAAAAAAAAAAAAAAAAAAAAAAAAAAAAAAAAAAAAAAAAAAAAAAAAAAAAAAAAAAAAAAAAAAAAAAAAFAAAADwAAAAAAAAAAAAAAAAAAAkUAAAAAQAAABQAAAAUAAAAFAAAAAEAAAAAAAAAZAAAAGQAAAAAAAAAZAAAAGQAAAAVAAAAYAAAAAAAAAAAAAAADwAAACADAAAAAAAAAAAAAAEAAACgMgAAVgcAAKr4//8BAAAAf39/AAEAAABkAAAAAAAAABQAAABAHwAAAAAAACYAAAAAAAAAwOD//wAAAAAmAAAAZAAAABYAAABMAAAAAAAAAAAAAAAEAAAAAAAAAAEAAACAgIAKAAAAACgAAAAoAAAAZAAAAGQAAAAAAAAAzMzMAAAAAABQAAAAUAAAAGQAAABkAAAAAAAAABcAAAAUAAAAAAAAAAAAAAD/fwAA/38AAAAAAAAJAAAABAAAAPL1+v8eAAAAaAAAAAAAAAAAAAAAAAAAAAAAAAAAAAAAECcAABAnAAAAAAAAAAAAAAAAAAAAAAAAAAAAAAAAAAAAAAAAAAAAABQAAAAAAAAAwMD/AAAAAABkAAAAMgAAAAAAAABkAAAAAAAAAH9/fwAKAAAAIgAAABgAAAAAAAAAAAAAAAAAAAAAAAAAAAAAAAAAAAAkAAAAJAAAAAAAAAAHAAAAAAAAAAAAAAAAAAAAAAAAAAAAAAAAAAAAf39/ACUAAABYAAAAAAAAAAAAAAAAAAAAAAAAAAAAAAAAAAAAAAAAAAAAAAAAAAAAAAAAAAAAAAA/AAAAAAAAAKCGAQAAAAAAAAAAAAAAAAAMAAAAAQAAAAAAAAAAAAAAAAAAAB8AAABUAAAAAAAABQAAAAEAAAAAAAAAAAAAAAAAAAAAAAAAAAAAAAAAAAAAAAAAAAAAAAJ/f38AAAAAA8zMzADAwP8Af39/AAAAAAAAAAAAAAAAAAAAAAAAAAAAIQAAABgAAAAUAAAAHSYAAHEJAABARwAAYQ0AABAAAAAmAAAACAAAAIGQAAAAAAAA"/>
               </a:ext>
             </a:extLst>
           </p:cNvSpPr>
@@ -1786,7 +1787,7 @@
             <a:spLocks noGrp="1" noChangeArrowheads="1"/>
             <a:extLst>
               <a:ext uri="smNativeData">
-                <pr:smNativeData xmlns:pr="smNativeData" xmlns="smNativeData" val="SMDATA_15_D/RJaRMAAAAlAAAAZAAAAA0AAAAAkAAAAEgAAACQAAAASAAAAAAAAAAAAAAAAAAAAAEAAABQAAAAAAAAAAAA4D8AAAAAAADgPwAAAAAAAOA/AAAAAAAA4D8AAAAAAADgPwAAAAAAAOA/AAAAAAAA4D8AAAAAAADgPwAAAAAAAOA/AAAAAAAA4D8CAAAAjAAAAAAAAAAAAAAAu+DjDP///wgAAAAAAAAAAAAAAAAAAAAAAAAAAAAAAAAAAAAAZAAAAAEAAABAAAAAAAAAAAAAAAAAAAAAAAAAAAAAAAAAAAAAAAAAAAAAAAAAAAAAAAAAAAAAAAAAAAAAAAAAAAAAAAAAAAAAAAAAAAAAAAAAAAAAAAAAAAAAAAAAAAAAFAAAADwAAAAAAAAAAAAAAAAAAAkUAAAAAQAAABQAAAAUAAAAFAAAAAEAAAAAAAAAZAAAAGQAAAAAAAAAZAAAAGQAAAAVAAAAYAAAAAAAAAAAAAAADwAAACADAAAAAAAAAAAAAAEAAACgMgAAVgcAAKr4//8BAAAAf39/AAEAAABkAAAAAAAAABQAAABAHwAAAAAAACYAAAAAAAAAwOD//wAAAAAmAAAAZAAAABYAAABMAAAAAAAAAAAAAAAEAAAAAAAAAAEAAACAgIAKAAAAACgAAAAoAAAAZAAAAGQAAAAAAAAAzMzMAAAAAABQAAAAUAAAAGQAAABkAAAAAAAAABcAAAAUAAAAAAAAAAAAAAD/fwAA/38AAAAAAAAJAAAABAAAAJ/J8f8eAAAAaAAAAAAAAAAAAAAAAAAAAAAAAAAAAAAAECcAABAnAAAAAAAAAAAAAAAAAAAAAAAAAAAAAAAAAAAAAAAAAAAAABQAAAAAAAAAwMD/AAAAAABkAAAAMgAAAAAAAABkAAAAAAAAAH9/fwAKAAAAIgAAABgAAAAAAAAAAAAAAAAAAAAAAAAAAAAAAAAAAAAkAAAAJAAAAAAAAAAHAAAAAAAAAAAAAAAAAAAAAAAAAAAAAAAAAAAAf39/ACUAAABYAAAAAAAAAAAAAAAAAAAAAAAAAAAAAAAAAAAAAAAAAAAAAAAAAAAAAAAAAAAAAAA/AAAAAAAAAKCGAQAAAAAAAAAAAAAAAAAMAAAAAQAAAAAAAAAAAAAAAAAAAB8AAABUAAAAAAAABQAAAAEAAAAAAAAAAAAAAAAAAAAAAAAAAAAAAAAAAAAAAAAAAAAAAAJ/f38AAAAAA8zMzADAwP8Af39/AAAAAAAAAAAAAAAAAAAAAAAAAAAAIQAAABgAAAAUAAAAHSYAAGENAABARwAAsCUAABAAAAAmAAAACAAAAAGAAAAAAAAA"/>
+                <pr:smNativeData xmlns:pr="smNativeData" xmlns="smNativeData" val="SMDATA_15_PhJKaRMAAAAlAAAAZAAAAA0AAAAAkAAAAEgAAACQAAAASAAAAAAAAAAAAAAAAAAAAAEAAABQAAAAAAAAAAAA4D8AAAAAAADgPwAAAAAAAOA/AAAAAAAA4D8AAAAAAADgPwAAAAAAAOA/AAAAAAAA4D8AAAAAAADgPwAAAAAAAOA/AAAAAAAA4D8CAAAAjAAAAAAAAAAAAAAAu+DjDP///wgAAAAAAAAAAAAAAAAAAAAAAAAAAAAAAAAAAAAAZAAAAAEAAABAAAAAAAAAAAAAAAAAAAAAAAAAAAAAAAAAAAAAAAAAAAAAAAAAAAAAAAAAAAAAAAAAAAAAAAAAAAAAAAAAAAAAAAAAAAAAAAAAAAAAAAAAAAAAAAAAAAAAFAAAADwAAAAAAAAAAAAAAAAAAAkUAAAAAQAAABQAAAAUAAAAFAAAAAEAAAAAAAAAZAAAAGQAAAAAAAAAZAAAAGQAAAAVAAAAYAAAAAAAAAAAAAAADwAAACADAAAAAAAAAAAAAAEAAACgMgAAVgcAAKr4//8BAAAAf39/AAEAAABkAAAAAAAAABQAAABAHwAAAAAAACYAAAAAAAAAwOD//wAAAAAmAAAAZAAAABYAAABMAAAAAAAAAAAAAAAEAAAAAAAAAAEAAACAgIAKAAAAACgAAAAoAAAAZAAAAGQAAAAAAAAAzMzMAAAAAABQAAAAUAAAAGQAAABkAAAAAAAAABcAAAAUAAAAAAAAAAAAAAD/fwAA/38AAAAAAAAJAAAABAAAAJ/J8f8eAAAAaAAAAAAAAAAAAAAAAAAAAAAAAAAAAAAAECcAABAnAAAAAAAAAAAAAAAAAAAAAAAAAAAAAAAAAAAAAAAAAAAAABQAAAAAAAAAwMD/AAAAAABkAAAAMgAAAAAAAABkAAAAAAAAAH9/fwAKAAAAIgAAABgAAAAAAAAAAAAAAAAAAAAAAAAAAAAAAAAAAAAkAAAAJAAAAAAAAAAHAAAAAAAAAAAAAAAAAAAAAAAAAAAAAAAAAAAAf39/ACUAAABYAAAAAAAAAAAAAAAAAAAAAAAAAAAAAAAAAAAAAAAAAAAAAAAAAAAAAAAAAAAAAAA/AAAAAAAAAKCGAQAAAAAAAAAAAAAAAAAMAAAAAQAAAAAAAAAAAAAAAAAAAB8AAABUAAAAAAAABQAAAAEAAAAAAAAAAAAAAAAAAAAAAAAAAAAAAAAAAAAAAAAAAAAAAAJ/f38AAAAAA8zMzADAwP8Af39/AAAAAAAAAAAAAAAAAAAAAAAAAAAAIQAAABgAAAAUAAAAHSYAAGENAABARwAAsCUAABAAAAAmAAAACAAAAAGAAAAAAAAA"/>
               </a:ext>
             </a:extLst>
           </p:cNvSpPr>
@@ -1870,7 +1871,7 @@
             <a:spLocks noGrp="1" noChangeArrowheads="1"/>
             <a:extLst>
               <a:ext uri="smNativeData">
-                <pr:smNativeData xmlns:pr="smNativeData" xmlns="smNativeData" val="SMDATA_15_D/RJaRMAAAAlAAAAZAAAAA0AAAAAkAAAAEgAAACQAAAASAAAAAAAAAABAAAAAAAAAAEAAABQAAAAAAAAAAAA4D8AAAAAAADgPwAAAAAAAOA/AAAAAAAA4D8AAAAAAADgPwAAAAAAAOA/AAAAAAAA4D8AAAAAAADgPwAAAAAAAOA/AAAAAAAA4D8CAAAAjAAAAAAAAAAAAAAAu+DjDP///wgAAAAAAAAAAAAAAAAAAAAAAAAAAAAAAAAAAAAAZAAAAAEAAABAAAAAAAAAAAAAAAAAAAAAAAAAAAAAAAAAAAAAAAAAAAAAAAAAAAAAAAAAAAAAAAAAAAAAAAAAAAAAAAAAAAAAAAAAAAAAAAAAAAAAAAAAAAAAAAAAAAAAFAAAADwAAAAAAAAAAAAAAAAAAAkUAAAAAQAAABQAAAAUAAAAFAAAAAEAAAAAAAAAZAAAAGQAAAAAAAAAZAAAAGQAAAAVAAAAYAAAAAAAAAAAAAAADwAAACADAAAAAAAAAAAAAAEAAACgMgAAVgcAAKr4//8BAAAAf39/AAEAAABkAAAAAAAAABQAAABAHwAAAAAAACYAAAAAAAAAwOD//wAAAAAmAAAAZAAAABYAAABMAAAAAAAAAAAAAAAEAAAAAAAAAAEAAACAgIAKAAAAACgAAAAoAAAAZAAAAGQAAAAAAAAAzMzMAAAAAABQAAAAUAAAAGQAAABkAAAAAAAAABcAAAAUAAAAAAAAAAAAAAD/fwAA/38AAAAAAAAJAAAABAAAAOrv9v8eAAAAaAAAAAAAAAAAAAAAAAAAAAAAAAAAAAAAECcAABAnAAAAAAAAAAAAAAAAAAAAAAAAAAAAAAAAAAAAAAAAAAAAABQAAAAAAAAAwMD/AAAAAABkAAAAMgAAAAAAAABkAAAAAAAAAH9/fwAKAAAAIgAAABgAAAAAAAAAAAAAAAAAAAAAAAAAAAAAAAAAAAAkAAAAJAAAAAAAAAAHAAAAAAAAAAAAAAAAAAAAAAAAAAAAAAAAAAAAf39/ACUAAABYAAAAAAAAAAAAAAAAAAAAAAAAAAAAAAAAAAAAAAAAAAAAAAAAAAAAAAAAAAAAAAA/AAAAAAAAAKCGAQAAAAAAAAAAAAAAAAAMAAAAAQAAAAAAAAAAAAAAAAAAAB8AAABUAAAAAAAABQAAAAEAAAAAAAAAAAAAAAAAAAAAAAAAAAAAAAAAAAAAAAAAAAAAAAJ/f38AAAAAA8zMzADAwP8Af39/AAAAAAAAAAAAAAAAAAAAAAAAAAAAIQAAABgAAAAUAAAAwAMAABsnAAA/FQAAWSkAABAAAAAmAAAACAAAAAAAAAAAAAAA"/>
+                <pr:smNativeData xmlns:pr="smNativeData" xmlns="smNativeData" val="SMDATA_15_PhJKaRMAAAAlAAAAZAAAAA0AAAAAkAAAAEgAAACQAAAASAAAAAAAAAABAAAAAAAAAAEAAABQAAAAAAAAAAAA4D8AAAAAAADgPwAAAAAAAOA/AAAAAAAA4D8AAAAAAADgPwAAAAAAAOA/AAAAAAAA4D8AAAAAAADgPwAAAAAAAOA/AAAAAAAA4D8CAAAAjAAAAAAAAAAAAAAAu+DjDP///wgAAAAAAAAAAAAAAAAAAAAAAAAAAAAAAAAAAAAAZAAAAAEAAABAAAAAAAAAAAAAAAAAAAAAAAAAAAAAAAAAAAAAAAAAAAAAAAAAAAAAAAAAAAAAAAAAAAAAAAAAAAAAAAAAAAAAAAAAAAAAAAAAAAAAAAAAAAAAAAAAAAAAFAAAADwAAAAAAAAAAAAAAAAAAAkUAAAAAQAAABQAAAAUAAAAFAAAAAEAAAAAAAAAZAAAAGQAAAAAAAAAZAAAAGQAAAAVAAAAYAAAAAAAAAAAAAAADwAAACADAAAAAAAAAAAAAAEAAACgMgAAVgcAAKr4//8BAAAAf39/AAEAAABkAAAAAAAAABQAAABAHwAAAAAAACYAAAAAAAAAwOD//wAAAAAmAAAAZAAAABYAAABMAAAAAAAAAAAAAAAEAAAAAAAAAAEAAACAgIAKAAAAACgAAAAoAAAAZAAAAGQAAAAAAAAAzMzMAAAAAABQAAAAUAAAAGQAAABkAAAAAAAAABcAAAAUAAAAAAAAAAAAAAD/fwAA/38AAAAAAAAJAAAABAAAAOrv9v8eAAAAaAAAAAAAAAAAAAAAAAAAAAAAAAAAAAAAECcAABAnAAAAAAAAAAAAAAAAAAAAAAAAAAAAAAAAAAAAAAAAAAAAABQAAAAAAAAAwMD/AAAAAABkAAAAMgAAAAAAAABkAAAAAAAAAH9/fwAKAAAAIgAAABgAAAAAAAAAAAAAAAAAAAAAAAAAAAAAAAAAAAAkAAAAJAAAAAAAAAAHAAAAAAAAAAAAAAAAAAAAAAAAAAAAAAAAAAAAf39/ACUAAABYAAAAAAAAAAAAAAAAAAAAAAAAAAAAAAAAAAAAAAAAAAAAAAAAAAAAAAAAAAAAAAA/AAAAAAAAAKCGAQAAAAAAAAAAAAAAAAAMAAAAAQAAAAAAAAAAAAAAAAAAAB8AAABUAAAAAAAABQAAAAEAAAAAAAAAAAAAAAAAAAAAAAAAAAAAAAAAAAAAAAAAAAAAAAJ/f38AAAAAA8zMzADAwP8Af39/AAAAAAAAAAAAAAAAAAAAAAAAAAAAIQAAABgAAAAUAAAAwAMAABsnAAA/FQAAWSkAABAAAAAmAAAACAAAAAAAAAAAAAAA"/>
               </a:ext>
             </a:extLst>
           </p:cNvSpPr>
@@ -1884,7 +1885,7 @@
           <a:lstStyle/>
           <a:p>
             <a:pPr/>
-            <a:fld id="{0C3DEA5F-11E1-681C-AF85-E749A4CB59B2}" type="datetime1">
+            <a:fld id="{0CA79EF9-B7E1-F268-AF1F-413DD0515914}" type="datetime1">
               <a:t>12/16/2025</a:t>
             </a:fld>
           </a:p>
@@ -1897,7 +1898,7 @@
             <a:spLocks noGrp="1" noChangeArrowheads="1"/>
             <a:extLst>
               <a:ext uri="smNativeData">
-                <pr:smNativeData xmlns:pr="smNativeData" xmlns="smNativeData" val="SMDATA_15_D/RJaRMAAAAlAAAAZAAAAA0AAAAAkAAAAEgAAACQAAAASAAAAAAAAAABAAAAAAAAAAEAAABQAAAAAAAAAAAA4D8AAAAAAADgPwAAAAAAAOA/AAAAAAAA4D8AAAAAAADgPwAAAAAAAOA/AAAAAAAA4D8AAAAAAADgPwAAAAAAAOA/AAAAAAAA4D8CAAAAjAAAAAAAAAAAAAAAu+DjDP///wgAAAAAAAAAAAAAAAAAAAAAAAAAAAAAAAAAAAAAZAAAAAEAAABAAAAAAAAAAAAAAAAAAAAAAAAAAAAAAAAAAAAAAAAAAAAAAAAAAAAAAAAAAAAAAAAAAAAAAAAAAAAAAAAAAAAAAAAAAAAAAAAAAAAAAAAAAAAAAAAAAAAAFAAAADwAAAAAAAAAAAAAAAAAAAkUAAAAAQAAABQAAAAUAAAAFAAAAAEAAAAAAAAAZAAAAGQAAAAAAAAAZAAAAGQAAAAVAAAAYAAAAAAAAAAAAAAADwAAACADAAAAAAAAAAAAAAEAAACgMgAAVgcAAKr4//8BAAAAf39/AAEAAABkAAAAAAAAABQAAABAHwAAAAAAACYAAAAAAAAAwOD//wAAAAAmAAAAZAAAABYAAABMAAAAAAAAAAAAAAAEAAAAAAAAAAEAAACAgIAKAAAAACgAAAAoAAAAZAAAAGQAAAAAAAAAzMzMAAAAAABQAAAAUAAAAGQAAABkAAAAAAAAABcAAAAUAAAAAAAAAAAAAAD/fwAA/38AAAAAAAAJAAAABAAAAAAAAAAeAAAAaAAAAAAAAAAAAAAAAAAAAAAAAAAAAAAAECcAABAnAAAAAAAAAAAAAAAAAAAAAAAAAAAAAAAAAAAAAAAAAAAAABQAAAAAAAAAwMD/AAAAAABkAAAAMgAAAAAAAABkAAAAAAAAAH9/fwAKAAAAIgAAABgAAAAAAAAAAAAAAAAAAAAAAAAAAAAAAAAAAAAkAAAAJAAAAAAAAAAHAAAAAAAAAAAAAAAAAAAAAAAAAAAAAAAAAAAAf39/ACUAAABYAAAAAAAAAAAAAAAAAAAAAAAAAAAAAAAAAAAAAAAAAAAAAAAAAAAAAAAAAAAAAAA/AAAAAAAAAKCGAQAAAAAAAAAAAAAAAAAMAAAAAQAAAAAAAAAAAAAAAAAAAB8AAABUAAAAAAAABQAAAAEAAAAAAAAAAAAAAAAAAAAAAAAAAAAAAAAAAAAAAAAAAAAAAAJ/f38AAAAAA8zMzADAwP8Af39/AAAAAAAAAAAAAAAAAAAAAAAAAAAAIQAAABgAAAAUAAAAoRkAABsnAABfMQAAWSkAABAAAAAmAAAACAAAAAAAAAAAAAAA"/>
+                <pr:smNativeData xmlns:pr="smNativeData" xmlns="smNativeData" val="SMDATA_15_PhJKaRMAAAAlAAAAZAAAAA0AAAAAkAAAAEgAAACQAAAASAAAAAAAAAABAAAAAAAAAAEAAABQAAAAAAAAAAAA4D8AAAAAAADgPwAAAAAAAOA/AAAAAAAA4D8AAAAAAADgPwAAAAAAAOA/AAAAAAAA4D8AAAAAAADgPwAAAAAAAOA/AAAAAAAA4D8CAAAAjAAAAAAAAAAAAAAAu+DjDP///wgAAAAAAAAAAAAAAAAAAAAAAAAAAAAAAAAAAAAAZAAAAAEAAABAAAAAAAAAAAAAAAAAAAAAAAAAAAAAAAAAAAAAAAAAAAAAAAAAAAAAAAAAAAAAAAAAAAAAAAAAAAAAAAAAAAAAAAAAAAAAAAAAAAAAAAAAAAAAAAAAAAAAFAAAADwAAAAAAAAAAAAAAAAAAAkUAAAAAQAAABQAAAAUAAAAFAAAAAEAAAAAAAAAZAAAAGQAAAAAAAAAZAAAAGQAAAAVAAAAYAAAAAAAAAAAAAAADwAAACADAAAAAAAAAAAAAAEAAACgMgAAVgcAAKr4//8BAAAAf39/AAEAAABkAAAAAAAAABQAAABAHwAAAAAAACYAAAAAAAAAwOD//wAAAAAmAAAAZAAAABYAAABMAAAAAAAAAAAAAAAEAAAAAAAAAAEAAACAgIAKAAAAACgAAAAoAAAAZAAAAGQAAAAAAAAAzMzMAAAAAABQAAAAUAAAAGQAAABkAAAAAAAAABcAAAAUAAAAAAAAAAAAAAD/fwAA/38AAAAAAAAJAAAABAAAAAAAAAAeAAAAaAAAAAAAAAAAAAAAAAAAAAAAAAAAAAAAECcAABAnAAAAAAAAAAAAAAAAAAAAAAAAAAAAAAAAAAAAAAAAAAAAABQAAAAAAAAAwMD/AAAAAABkAAAAMgAAAAAAAABkAAAAAAAAAH9/fwAKAAAAIgAAABgAAAAAAAAAAAAAAAAAAAAAAAAAAAAAAAAAAAAkAAAAJAAAAAAAAAAHAAAAAAAAAAAAAAAAAAAAAAAAAAAAAAAAAAAAf39/ACUAAABYAAAAAAAAAAAAAAAAAAAAAAAAAAAAAAAAAAAAAAAAAAAAAAAAAAAAAAAAAAAAAAA/AAAAAAAAAKCGAQAAAAAAAAAAAAAAAAAMAAAAAQAAAAAAAAAAAAAAAAAAAB8AAABUAAAAAAAABQAAAAEAAAAAAAAAAAAAAAAAAAAAAAAAAAAAAAAAAAAAAAAAAAAAAAJ/f38AAAAAA8zMzADAwP8Af39/AAAAAAAAAAAAAAAAAAAAAAAAAAAAIQAAABgAAAAUAAAAoRkAABsnAABfMQAAWSkAABAAAAAmAAAACAAAAAAAAAAAAAAA"/>
               </a:ext>
             </a:extLst>
           </p:cNvSpPr>
@@ -1921,7 +1922,7 @@
             <a:spLocks noGrp="1" noChangeArrowheads="1"/>
             <a:extLst>
               <a:ext uri="smNativeData">
-                <pr:smNativeData xmlns:pr="smNativeData" xmlns="smNativeData" val="SMDATA_15_D/RJaRMAAAAlAAAAZAAAAA0AAAAAkAAAAEgAAACQAAAASAAAAAAAAAABAAAAAAAAAAEAAABQAAAAAAAAAAAA4D8AAAAAAADgPwAAAAAAAOA/AAAAAAAA4D8AAAAAAADgPwAAAAAAAOA/AAAAAAAA4D8AAAAAAADgPwAAAAAAAOA/AAAAAAAA4D8CAAAAjAAAAAAAAAAAAAAAu+DjDP///wgAAAAAAAAAAAAAAAAAAAAAAAAAAAAAAAAAAAAAZAAAAAEAAABAAAAAAAAAAAAAAAAAAAAAAAAAAAAAAAAAAAAAAAAAAAAAAAAAAAAAAAAAAAAAAAAAAAAAAAAAAAAAAAAAAAAAAAAAAAAAAAAAAAAAAAAAAAAAAAAAAAAAFAAAADwAAAAAAAAAAAAAAAAAAAkUAAAAAQAAABQAAAAUAAAAFAAAAAEAAAAAAAAAZAAAAGQAAAAAAAAAZAAAAGQAAAAVAAAAYAAAAAAAAAAAAAAADwAAACADAAAAAAAAAAAAAAEAAACgMgAAVgcAAKr4//8BAAAAf39/AAEAAABkAAAAAAAAABQAAABAHwAAAAAAACYAAAAAAAAAwOD//wAAAAAmAAAAZAAAABYAAABMAAAAAAAAAAAAAAAEAAAAAAAAAAEAAACAgIAKAAAAACgAAAAoAAAAZAAAAGQAAAAAAAAAzMzMAAAAAABQAAAAUAAAAGQAAABkAAAAAAAAABcAAAAUAAAAAAAAAAAAAAD/fwAA/38AAAAAAAAJAAAABAAAAADurgIeAAAAaAAAAAAAAAAAAAAAAAAAAAAAAAAAAAAAECcAABAnAAAAAAAAAAAAAAAAAAAAAAAAAAAAAAAAAAAAAAAAAAAAABQAAAAAAAAAwMD/AAAAAABkAAAAMgAAAAAAAABkAAAAAAAAAH9/fwAKAAAAIgAAABgAAAAAAAAAAAAAAAAAAAAAAAAAAAAAAAAAAAAkAAAAJAAAAAAAAAAHAAAAAAAAAAAAAAAAAAAAAAAAAAAAAAAAAAAAf39/ACUAAABYAAAAAAAAAAAAAAAAAAAAAAAAAAAAAAAAAAAAAAAAAAAAAAAAAAAAAAAAAAAAAAA/AAAAAAAAAKCGAQAAAAAAAAAAAAAAAAAMAAAAAQAAAAAAAAAAAAAAAAAAAB8AAABUAAAAAAAABQAAAAEAAAAAAAAAAAAAAAAAAAAAAAAAAAAAAAAAAAAAAAAAAAAAAAJ/f38AAAAAA8zMzADAwP8Af39/AAAAAAAAAAAAAAAAAAAAAAAAAAAAIQAAABgAAAAUAAAAwTUAABsnAABARwAAWSkAABAAAAAmAAAACAAAAAAAAAAAAAAA"/>
+                <pr:smNativeData xmlns:pr="smNativeData" xmlns="smNativeData" val="SMDATA_15_PhJKaRMAAAAlAAAAZAAAAA0AAAAAkAAAAEgAAACQAAAASAAAAAAAAAABAAAAAAAAAAEAAABQAAAAAAAAAAAA4D8AAAAAAADgPwAAAAAAAOA/AAAAAAAA4D8AAAAAAADgPwAAAAAAAOA/AAAAAAAA4D8AAAAAAADgPwAAAAAAAOA/AAAAAAAA4D8CAAAAjAAAAAAAAAAAAAAAu+DjDP///wgAAAAAAAAAAAAAAAAAAAAAAAAAAAAAAAAAAAAAZAAAAAEAAABAAAAAAAAAAAAAAAAAAAAAAAAAAAAAAAAAAAAAAAAAAAAAAAAAAAAAAAAAAAAAAAAAAAAAAAAAAAAAAAAAAAAAAAAAAAAAAAAAAAAAAAAAAAAAAAAAAAAAFAAAADwAAAAAAAAAAAAAAAAAAAkUAAAAAQAAABQAAAAUAAAAFAAAAAEAAAAAAAAAZAAAAGQAAAAAAAAAZAAAAGQAAAAVAAAAYAAAAAAAAAAAAAAADwAAACADAAAAAAAAAAAAAAEAAACgMgAAVgcAAKr4//8BAAAAf39/AAEAAABkAAAAAAAAABQAAABAHwAAAAAAACYAAAAAAAAAwOD//wAAAAAmAAAAZAAAABYAAABMAAAAAAAAAAAAAAAEAAAAAAAAAAEAAACAgIAKAAAAACgAAAAoAAAAZAAAAGQAAAAAAAAAzMzMAAAAAABQAAAAUAAAAGQAAABkAAAAAAAAABcAAAAUAAAAAAAAAAAAAAD/fwAA/38AAAAAAAAJAAAABAAAAADurgIeAAAAaAAAAAAAAAAAAAAAAAAAAAAAAAAAAAAAECcAABAnAAAAAAAAAAAAAAAAAAAAAAAAAAAAAAAAAAAAAAAAAAAAABQAAAAAAAAAwMD/AAAAAABkAAAAMgAAAAAAAABkAAAAAAAAAH9/fwAKAAAAIgAAABgAAAAAAAAAAAAAAAAAAAAAAAAAAAAAAAAAAAAkAAAAJAAAAAAAAAAHAAAAAAAAAAAAAAAAAAAAAAAAAAAAAAAAAAAAf39/ACUAAABYAAAAAAAAAAAAAAAAAAAAAAAAAAAAAAAAAAAAAAAAAAAAAAAAAAAAAAAAAAAAAAA/AAAAAAAAAKCGAQAAAAAAAAAAAAAAAAAMAAAAAQAAAAAAAAAAAAAAAAAAAB8AAABUAAAAAAAABQAAAAEAAAAAAAAAAAAAAAAAAAAAAAAAAAAAAAAAAAAAAAAAAAAAAAJ/f38AAAAAA8zMzADAwP8Af39/AAAAAAAAAAAAAAAAAAAAAAAAAAAAIQAAABgAAAAUAAAAwTUAABsnAABARwAAWSkAABAAAAAmAAAACAAAAAAAAAAAAAAA"/>
               </a:ext>
             </a:extLst>
           </p:cNvSpPr>
@@ -1935,7 +1936,7 @@
           <a:lstStyle/>
           <a:p>
             <a:pPr/>
-            <a:fld id="{0C3DD302-4CE1-6825-AF85-BA709DCB59EF}" type="slidenum">
+            <a:fld id="{0CA7F886-C8E1-F20E-AF1F-3E5BB651596B}" type="slidenum">
               <a:t>‹#›</a:t>
             </a:fld>
           </a:p>
@@ -1974,7 +1975,7 @@
             <a:spLocks noGrp="1" noChangeArrowheads="1"/>
             <a:extLst>
               <a:ext uri="smNativeData">
-                <pr:smNativeData xmlns:pr="smNativeData" xmlns="smNativeData" val="SMDATA_15_D/RJaRMAAAAlAAAAZAAAAA0AAAAAkAAAAEgAAACQAAAASAAAAAAAAAABAAAAAAAAAAEAAABQAAAAAAAAAAAA4D8AAAAAAADgPwAAAAAAAOA/AAAAAAAA4D8AAAAAAADgPwAAAAAAAOA/AAAAAAAA4D8AAAAAAADgPwAAAAAAAOA/AAAAAAAA4D8CAAAAjAAAAAAAAAAAAAAAu+DjDP///wgAAAAAAAAAAAAAAAAAAAAAAAAAAAAAAAAAAAAAZAAAAAEAAABAAAAAAAAAAAAAAAAAAAAAAAAAAAAAAAAAAAAAAAAAAAAAAAAAAAAAAAAAAAAAAAAAAAAAAAAAAAAAAAAAAAAAAAAAAAAAAAAAAAAAAAAAAAAAAAAAAAAAFAAAADwAAAAAAAAAAAAAAAAAAAkUAAAAAQAAABQAAAAUAAAAFAAAAAEAAAAAAAAAZAAAAGQAAAAAAAAAZAAAAGQAAAAVAAAAYAAAAAAAAAAAAAAADwAAACADAAAAAAAAAAAAAAEAAACgMgAAVgcAAKr4//8BAAAAf39/AAEAAABkAAAAAAAAABQAAABAHwAAAAAAACYAAAAAAAAAwOD//wAAAAAmAAAAZAAAABYAAABMAAAAAAAAAAAAAAAEAAAAAAAAAAEAAACAgIAKAAAAACgAAAAoAAAAZAAAAGQAAAAAAAAAzMzMAAAAAABQAAAAUAAAAGQAAABkAAAAAAAAABcAAAAUAAAAAAAAAAAAAAD/fwAA/38AAAAAAAAJAAAABAAAAPL1+v8eAAAAaAAAAAAAAAAAAAAAAAAAAAAAAAAAAAAAECcAABAnAAAAAAAAAAAAAAAAAAAAAAAAAAAAAAAAAAAAAAAAAAAAABQAAAAAAAAAwMD/AAAAAABkAAAAMgAAAAAAAABkAAAAAAAAAH9/fwAKAAAAIgAAABgAAAAAAAAAAAAAAAAAAAAAAAAAAAAAAAAAAAAkAAAAJAAAAAAAAAAHAAAAAAAAAAAAAAAAAAAAAAAAAAAAAAAAAAAAf39/ACUAAABYAAAAAAAAAAAAAAAAAAAAAAAAAAAAAAAAAAAAAAAAAAAAAAAAAAAAAAAAAAAAAAA/AAAAAAAAAKCGAQAAAAAAAAAAAAAAAAAMAAAAAQAAAAAAAAAAAAAAAAAAAB8AAABUAAAAAAAABQAAAAEAAAAAAAAAAAAAAAAAAAAAAAAAAAAAAAAAAAAAAAAAAAAAAAJ/f38AAAAAA8zMzADAwP8Af39/AAAAAAAAAAAAAAAAAAAAAAAAAAAAIQAAABgAAAAUAAAAwAMAALABAABARwAAuAgAABAAAAAmAAAACAAAAAAAAAAAAAAA"/>
+                <pr:smNativeData xmlns:pr="smNativeData" xmlns="smNativeData" val="SMDATA_15_PhJKaRMAAAAlAAAAZAAAAA0AAAAAkAAAAEgAAACQAAAASAAAAAAAAAABAAAAAAAAAAEAAABQAAAAAAAAAAAA4D8AAAAAAADgPwAAAAAAAOA/AAAAAAAA4D8AAAAAAADgPwAAAAAAAOA/AAAAAAAA4D8AAAAAAADgPwAAAAAAAOA/AAAAAAAA4D8CAAAAjAAAAAAAAAAAAAAAu+DjDP///wgAAAAAAAAAAAAAAAAAAAAAAAAAAAAAAAAAAAAAZAAAAAEAAABAAAAAAAAAAAAAAAAAAAAAAAAAAAAAAAAAAAAAAAAAAAAAAAAAAAAAAAAAAAAAAAAAAAAAAAAAAAAAAAAAAAAAAAAAAAAAAAAAAAAAAAAAAAAAAAAAAAAAFAAAADwAAAAAAAAAAAAAAAAAAAkUAAAAAQAAABQAAAAUAAAAFAAAAAEAAAAAAAAAZAAAAGQAAAAAAAAAZAAAAGQAAAAVAAAAYAAAAAAAAAAAAAAADwAAACADAAAAAAAAAAAAAAEAAACgMgAAVgcAAKr4//8BAAAAf39/AAEAAABkAAAAAAAAABQAAABAHwAAAAAAACYAAAAAAAAAwOD//wAAAAAmAAAAZAAAABYAAABMAAAAAAAAAAAAAAAEAAAAAAAAAAEAAACAgIAKAAAAACgAAAAoAAAAZAAAAGQAAAAAAAAAzMzMAAAAAABQAAAAUAAAAGQAAABkAAAAAAAAABcAAAAUAAAAAAAAAAAAAAD/fwAA/38AAAAAAAAJAAAABAAAAPL1+v8eAAAAaAAAAAAAAAAAAAAAAAAAAAAAAAAAAAAAECcAABAnAAAAAAAAAAAAAAAAAAAAAAAAAAAAAAAAAAAAAAAAAAAAABQAAAAAAAAAwMD/AAAAAABkAAAAMgAAAAAAAABkAAAAAAAAAH9/fwAKAAAAIgAAABgAAAAAAAAAAAAAAAAAAAAAAAAAAAAAAAAAAAAkAAAAJAAAAAAAAAAHAAAAAAAAAAAAAAAAAAAAAAAAAAAAAAAAAAAAf39/ACUAAABYAAAAAAAAAAAAAAAAAAAAAAAAAAAAAAAAAAAAAAAAAAAAAAAAAAAAAAAAAAAAAAA/AAAAAAAAAKCGAQAAAAAAAAAAAAAAAAAMAAAAAQAAAAAAAAAAAAAAAAAAAB8AAABUAAAAAAAABQAAAAEAAAAAAAAAAAAAAAAAAAAAAAAAAAAAAAAAAAAAAAAAAAAAAAJ/f38AAAAAA8zMzADAwP8Af39/AAAAAAAAAAAAAAAAAAAAAAAAAAAAIQAAABgAAAAUAAAAwAMAALABAABARwAAuAgAABAAAAAmAAAACAAAAAAAAAAAAAAA"/>
               </a:ext>
             </a:extLst>
           </p:cNvSpPr>
@@ -2001,7 +2002,7 @@
             <a:spLocks noGrp="1" noChangeArrowheads="1"/>
             <a:extLst>
               <a:ext uri="smNativeData">
-                <pr:smNativeData xmlns:pr="smNativeData" xmlns="smNativeData" val="SMDATA_15_D/RJaRMAAAAlAAAAZAAAAA0AAAAAkAAAAEgAAACQAAAASAAAAAAAAAABAAAAAAAAAAEAAABQAAAAAAAAAAAA4D8AAAAAAADgPwAAAAAAAOA/AAAAAAAA4D8AAAAAAADgPwAAAAAAAOA/AAAAAAAA4D8AAAAAAADgPwAAAAAAAOA/AAAAAAAA4D8CAAAAjAAAAAAAAAAAAAAAu+DjDP///wgAAAAAAAAAAAAAAAAAAAAAAAAAAAAAAAAAAAAAZAAAAAEAAABAAAAAAAAAAAAAAAAAAAAAAAAAAAAAAAAAAAAAAAAAAAAAAAAAAAAAAAAAAAAAAAAAAAAAAAAAAAAAAAAAAAAAAAAAAAAAAAAAAAAAAAAAAAAAAAAAAAAAFAAAADwAAAAAAAAAAAAAAAAAAAkUAAAAAQAAABQAAAAUAAAAFAAAAAEAAAAAAAAAZAAAAGQAAAAAAAAAZAAAAGQAAAAVAAAAYAAAAAAAAAAAAAAADwAAACADAAAAAAAAAAAAAAEAAACgMgAAVgcAAKr4//8BAAAAf39/AAEAAABkAAAAAAAAABQAAABAHwAAAAAAACYAAAAAAAAAwOD//wAAAAAmAAAAZAAAABYAAABMAAAAAAAAAAAAAAAEAAAAAAAAAAEAAACAgIAKAAAAACgAAAAoAAAAZAAAAGQAAAAAAAAAzMzMAAAAAABQAAAAUAAAAGQAAABkAAAAAAAAABcAAAAUAAAAAAAAAAAAAAD/fwAA/38AAAAAAAAJAAAABAAAAJLC8BQeAAAAaAAAAAAAAAAAAAAAAAAAAAAAAAAAAAAAECcAABAnAAAAAAAAAAAAAAAAAAAAAAAAAAAAAAAAAAAAAAAAAAAAABQAAAAAAAAAwMD/AAAAAABkAAAAMgAAAAAAAABkAAAAAAAAAH9/fwAKAAAAIgAAABgAAAAAAAAAAAAAAAAAAAAAAAAAAAAAAAAAAAAkAAAAJAAAAAAAAAAHAAAAAAAAAAAAAAAAAAAAAAAAAAAAAAAAAAAAf39/ACUAAABYAAAAAAAAAAAAAAAAAAAAAAAAAAAAAAAAAAAAAAAAAAAAAAAAAAAAAAAAAAAAAAA/AAAAAAAAAKCGAQAAAAAAAAAAAAAAAAAMAAAAAQAAAAAAAAAAAAAAAAAAAB8AAABUAAAAAAAABQAAAAEAAAAAAAAAAAAAAAAAAAAAAAAAAAAAAAAAAAAAAAAAAAAAAAJ/f38AAAAAA8zMzADAwP8Af39/AAAAAAAAAAAAAAAAAAAAAAAAAAAAIQAAABgAAAAUAAAAwAMAABsnAAA/FQAAWSkAABAAAAAmAAAACAAAAAAAAAAAAAAA"/>
+                <pr:smNativeData xmlns:pr="smNativeData" xmlns="smNativeData" val="SMDATA_15_PhJKaRMAAAAlAAAAZAAAAA0AAAAAkAAAAEgAAACQAAAASAAAAAAAAAABAAAAAAAAAAEAAABQAAAAAAAAAAAA4D8AAAAAAADgPwAAAAAAAOA/AAAAAAAA4D8AAAAAAADgPwAAAAAAAOA/AAAAAAAA4D8AAAAAAADgPwAAAAAAAOA/AAAAAAAA4D8CAAAAjAAAAAAAAAAAAAAAu+DjDP///wgAAAAAAAAAAAAAAAAAAAAAAAAAAAAAAAAAAAAAZAAAAAEAAABAAAAAAAAAAAAAAAAAAAAAAAAAAAAAAAAAAAAAAAAAAAAAAAAAAAAAAAAAAAAAAAAAAAAAAAAAAAAAAAAAAAAAAAAAAAAAAAAAAAAAAAAAAAAAAAAAAAAAFAAAADwAAAAAAAAAAAAAAAAAAAkUAAAAAQAAABQAAAAUAAAAFAAAAAEAAAAAAAAAZAAAAGQAAAAAAAAAZAAAAGQAAAAVAAAAYAAAAAAAAAAAAAAADwAAACADAAAAAAAAAAAAAAEAAACgMgAAVgcAAKr4//8BAAAAf39/AAEAAABkAAAAAAAAABQAAABAHwAAAAAAACYAAAAAAAAAwOD//wAAAAAmAAAAZAAAABYAAABMAAAAAAAAAAAAAAAEAAAAAAAAAAEAAACAgIAKAAAAACgAAAAoAAAAZAAAAGQAAAAAAAAAzMzMAAAAAABQAAAAUAAAAGQAAABkAAAAAAAAABcAAAAUAAAAAAAAAAAAAAD/fwAA/38AAAAAAAAJAAAABAAAAJLC8BQeAAAAaAAAAAAAAAAAAAAAAAAAAAAAAAAAAAAAECcAABAnAAAAAAAAAAAAAAAAAAAAAAAAAAAAAAAAAAAAAAAAAAAAABQAAAAAAAAAwMD/AAAAAABkAAAAMgAAAAAAAABkAAAAAAAAAH9/fwAKAAAAIgAAABgAAAAAAAAAAAAAAAAAAAAAAAAAAAAAAAAAAAAkAAAAJAAAAAAAAAAHAAAAAAAAAAAAAAAAAAAAAAAAAAAAAAAAAAAAf39/ACUAAABYAAAAAAAAAAAAAAAAAAAAAAAAAAAAAAAAAAAAAAAAAAAAAAAAAAAAAAAAAAAAAAA/AAAAAAAAAKCGAQAAAAAAAAAAAAAAAAAMAAAAAQAAAAAAAAAAAAAAAAAAAB8AAABUAAAAAAAABQAAAAEAAAAAAAAAAAAAAAAAAAAAAAAAAAAAAAAAAAAAAAAAAAAAAAJ/f38AAAAAA8zMzADAwP8Af39/AAAAAAAAAAAAAAAAAAAAAAAAAAAAIQAAABgAAAAUAAAAwAMAABsnAAA/FQAAWSkAABAAAAAmAAAACAAAAAAAAAAAAAAA"/>
               </a:ext>
             </a:extLst>
           </p:cNvSpPr>
@@ -2015,7 +2016,7 @@
           <a:lstStyle/>
           <a:p>
             <a:pPr/>
-            <a:fld id="{0C3DB687-C9E1-6840-AF85-3F15F8CB596A}" type="datetime1">
+            <a:fld id="{0CA7D96E-20E1-F22F-AF1F-D67A97515983}" type="datetime1">
               <a:t>12/16/2025</a:t>
             </a:fld>
           </a:p>
@@ -2028,7 +2029,7 @@
             <a:spLocks noGrp="1" noChangeArrowheads="1"/>
             <a:extLst>
               <a:ext uri="smNativeData">
-                <pr:smNativeData xmlns:pr="smNativeData" xmlns="smNativeData" val="SMDATA_15_D/RJaRMAAAAlAAAAZAAAAA0AAAAAkAAAAEgAAACQAAAASAAAAAAAAAABAAAAAAAAAAEAAABQAAAAAAAAAAAA4D8AAAAAAADgPwAAAAAAAOA/AAAAAAAA4D8AAAAAAADgPwAAAAAAAOA/AAAAAAAA4D8AAAAAAADgPwAAAAAAAOA/AAAAAAAA4D8CAAAAjAAAAAAAAAAAAAAAu+DjDP///wgAAAAAAAAAAAAAAAAAAAAAAAAAAAAAAAAAAAAAZAAAAAEAAABAAAAAAAAAAAAAAAAAAAAAAAAAAAAAAAAAAAAAAAAAAAAAAAAAAAAAAAAAAAAAAAAAAAAAAAAAAAAAAAAAAAAAAAAAAAAAAAAAAAAAAAAAAAAAAAAAAAAAFAAAADwAAAAAAAAAAAAAAAAAAAkUAAAAAQAAABQAAAAUAAAAFAAAAAEAAAAAAAAAZAAAAGQAAAAAAAAAZAAAAGQAAAAVAAAAYAAAAAAAAAAAAAAADwAAACADAAAAAAAAAAAAAAEAAACgMgAAVgcAAKr4//8BAAAAf39/AAEAAABkAAAAAAAAABQAAABAHwAAAAAAACYAAAAAAAAAwOD//wAAAAAmAAAAZAAAABYAAABMAAAAAAAAAAAAAAAEAAAAAAAAAAEAAACAgIAKAAAAACgAAAAoAAAAZAAAAGQAAAAAAAAAzMzMAAAAAABQAAAAUAAAAGQAAABkAAAAAAAAABcAAAAUAAAAAAAAAAAAAAD/fwAA/38AAAAAAAAJAAAABAAAAJ/J8f8eAAAAaAAAAAAAAAAAAAAAAAAAAAAAAAAAAAAAECcAABAnAAAAAAAAAAAAAAAAAAAAAAAAAAAAAAAAAAAAAAAAAAAAABQAAAAAAAAAwMD/AAAAAABkAAAAMgAAAAAAAABkAAAAAAAAAH9/fwAKAAAAIgAAABgAAAAAAAAAAAAAAAAAAAAAAAAAAAAAAAAAAAAkAAAAJAAAAAAAAAAHAAAAAAAAAAAAAAAAAAAAAAAAAAAAAAAAAAAAf39/ACUAAABYAAAAAAAAAAAAAAAAAAAAAAAAAAAAAAAAAAAAAAAAAAAAAAAAAAAAAAAAAAAAAAA/AAAAAAAAAKCGAQAAAAAAAAAAAAAAAAAMAAAAAQAAAAAAAAAAAAAAAAAAAB8AAABUAAAAAAAABQAAAAEAAAAAAAAAAAAAAAAAAAAAAAAAAAAAAAAAAAAAAAAAAAAAAAJ/f38AAAAAA8zMzADAwP8Af39/AAAAAAAAAAAAAAAAAAAAAAAAAAAAIQAAABgAAAAUAAAAoRkAABsnAABfMQAAWSkAABAAAAAmAAAACAAAAAAAAAAAAAAA"/>
+                <pr:smNativeData xmlns:pr="smNativeData" xmlns="smNativeData" val="SMDATA_15_PhJKaRMAAAAlAAAAZAAAAA0AAAAAkAAAAEgAAACQAAAASAAAAAAAAAABAAAAAAAAAAEAAABQAAAAAAAAAAAA4D8AAAAAAADgPwAAAAAAAOA/AAAAAAAA4D8AAAAAAADgPwAAAAAAAOA/AAAAAAAA4D8AAAAAAADgPwAAAAAAAOA/AAAAAAAA4D8CAAAAjAAAAAAAAAAAAAAAu+DjDP///wgAAAAAAAAAAAAAAAAAAAAAAAAAAAAAAAAAAAAAZAAAAAEAAABAAAAAAAAAAAAAAAAAAAAAAAAAAAAAAAAAAAAAAAAAAAAAAAAAAAAAAAAAAAAAAAAAAAAAAAAAAAAAAAAAAAAAAAAAAAAAAAAAAAAAAAAAAAAAAAAAAAAAFAAAADwAAAAAAAAAAAAAAAAAAAkUAAAAAQAAABQAAAAUAAAAFAAAAAEAAAAAAAAAZAAAAGQAAAAAAAAAZAAAAGQAAAAVAAAAYAAAAAAAAAAAAAAADwAAACADAAAAAAAAAAAAAAEAAACgMgAAVgcAAKr4//8BAAAAf39/AAEAAABkAAAAAAAAABQAAABAHwAAAAAAACYAAAAAAAAAwOD//wAAAAAmAAAAZAAAABYAAABMAAAAAAAAAAAAAAAEAAAAAAAAAAEAAACAgIAKAAAAACgAAAAoAAAAZAAAAGQAAAAAAAAAzMzMAAAAAABQAAAAUAAAAGQAAABkAAAAAAAAABcAAAAUAAAAAAAAAAAAAAD/fwAA/38AAAAAAAAJAAAABAAAAJ/J8f8eAAAAaAAAAAAAAAAAAAAAAAAAAAAAAAAAAAAAECcAABAnAAAAAAAAAAAAAAAAAAAAAAAAAAAAAAAAAAAAAAAAAAAAABQAAAAAAAAAwMD/AAAAAABkAAAAMgAAAAAAAABkAAAAAAAAAH9/fwAKAAAAIgAAABgAAAAAAAAAAAAAAAAAAAAAAAAAAAAAAAAAAAAkAAAAJAAAAAAAAAAHAAAAAAAAAAAAAAAAAAAAAAAAAAAAAAAAAAAAf39/ACUAAABYAAAAAAAAAAAAAAAAAAAAAAAAAAAAAAAAAAAAAAAAAAAAAAAAAAAAAAAAAAAAAAA/AAAAAAAAAKCGAQAAAAAAAAAAAAAAAAAMAAAAAQAAAAAAAAAAAAAAAAAAAB8AAABUAAAAAAAABQAAAAEAAAAAAAAAAAAAAAAAAAAAAAAAAAAAAAAAAAAAAAAAAAAAAAJ/f38AAAAAA8zMzADAwP8Af39/AAAAAAAAAAAAAAAAAAAAAAAAAAAAIQAAABgAAAAUAAAAoRkAABsnAABfMQAAWSkAABAAAAAmAAAACAAAAAAAAAAAAAAA"/>
               </a:ext>
             </a:extLst>
           </p:cNvSpPr>
@@ -2052,7 +2053,7 @@
             <a:spLocks noGrp="1" noChangeArrowheads="1"/>
             <a:extLst>
               <a:ext uri="smNativeData">
-                <pr:smNativeData xmlns:pr="smNativeData" xmlns="smNativeData" val="SMDATA_15_D/RJaRMAAAAlAAAAZAAAAA0AAAAAkAAAAEgAAACQAAAASAAAAAAAAAABAAAAAAAAAAEAAABQAAAAAAAAAAAA4D8AAAAAAADgPwAAAAAAAOA/AAAAAAAA4D8AAAAAAADgPwAAAAAAAOA/AAAAAAAA4D8AAAAAAADgPwAAAAAAAOA/AAAAAAAA4D8CAAAAjAAAAAAAAAAAAAAAu+DjDP///wgAAAAAAAAAAAAAAAAAAAAAAAAAAAAAAAAAAAAAZAAAAAEAAABAAAAAAAAAAAAAAAAAAAAAAAAAAAAAAAAAAAAAAAAAAAAAAAAAAAAAAAAAAAAAAAAAAAAAAAAAAAAAAAAAAAAAAAAAAAAAAAAAAAAAAAAAAAAAAAAAAAAAFAAAADwAAAAAAAAAAAAAAAAAAAkUAAAAAQAAABQAAAAUAAAAFAAAAAEAAAAAAAAAZAAAAGQAAAAAAAAAZAAAAGQAAAAVAAAAYAAAAAAAAAAAAAAADwAAACADAAAAAAAAAAAAAAEAAACgMgAAVgcAAKr4//8BAAAAf39/AAEAAABkAAAAAAAAABQAAABAHwAAAAAAACYAAAAAAAAAwOD//wAAAAAmAAAAZAAAABYAAABMAAAAAAAAAAAAAAAEAAAAAAAAAAEAAACAgIAKAAAAACgAAAAoAAAAZAAAAGQAAAAAAAAAzMzMAAAAAABQAAAAUAAAAGQAAABkAAAAAAAAABcAAAAUAAAAAAAAAAAAAAD/fwAA/38AAAAAAAAJAAAABAAAAAAAAAAeAAAAaAAAAAAAAAAAAAAAAAAAAAAAAAAAAAAAECcAABAnAAAAAAAAAAAAAAAAAAAAAAAAAAAAAAAAAAAAAAAAAAAAABQAAAAAAAAAwMD/AAAAAABkAAAAMgAAAAAAAABkAAAAAAAAAH9/fwAKAAAAIgAAABgAAAAAAAAAAAAAAAAAAAAAAAAAAAAAAAAAAAAkAAAAJAAAAAAAAAAHAAAAAAAAAAAAAAAAAAAAAAAAAAAAAAAAAAAAf39/ACUAAABYAAAAAAAAAAAAAAAAAAAAAAAAAAAAAAAAAAAAAAAAAAAAAAAAAAAAAAAAAAAAAAA/AAAAAAAAAKCGAQAAAAAAAAAAAAAAAAAMAAAAAQAAAAAAAAAAAAAAAAAAAB8AAABUAAAAAAAABQAAAAEAAAAAAAAAAAAAAAAAAAAAAAAAAAAAAAAAAAAAAAAAAAAAAAJ/f38AAAAAA8zMzADAwP8Af39/AAAAAAAAAAAAAAAAAAAAAAAAAAAAIQAAABgAAAAUAAAAwTUAABsnAABARwAAWSkAABAAAAAmAAAACAAAAAAAAAAAAAAA"/>
+                <pr:smNativeData xmlns:pr="smNativeData" xmlns="smNativeData" val="SMDATA_15_PhJKaRMAAAAlAAAAZAAAAA0AAAAAkAAAAEgAAACQAAAASAAAAAAAAAABAAAAAAAAAAEAAABQAAAAAAAAAAAA4D8AAAAAAADgPwAAAAAAAOA/AAAAAAAA4D8AAAAAAADgPwAAAAAAAOA/AAAAAAAA4D8AAAAAAADgPwAAAAAAAOA/AAAAAAAA4D8CAAAAjAAAAAAAAAAAAAAAu+DjDP///wgAAAAAAAAAAAAAAAAAAAAAAAAAAAAAAAAAAAAAZAAAAAEAAABAAAAAAAAAAAAAAAAAAAAAAAAAAAAAAAAAAAAAAAAAAAAAAAAAAAAAAAAAAAAAAAAAAAAAAAAAAAAAAAAAAAAAAAAAAAAAAAAAAAAAAAAAAAAAAAAAAAAAFAAAADwAAAAAAAAAAAAAAAAAAAkUAAAAAQAAABQAAAAUAAAAFAAAAAEAAAAAAAAAZAAAAGQAAAAAAAAAZAAAAGQAAAAVAAAAYAAAAAAAAAAAAAAADwAAACADAAAAAAAAAAAAAAEAAACgMgAAVgcAAKr4//8BAAAAf39/AAEAAABkAAAAAAAAABQAAABAHwAAAAAAACYAAAAAAAAAwOD//wAAAAAmAAAAZAAAABYAAABMAAAAAAAAAAAAAAAEAAAAAAAAAAEAAACAgIAKAAAAACgAAAAoAAAAZAAAAGQAAAAAAAAAzMzMAAAAAABQAAAAUAAAAGQAAABkAAAAAAAAABcAAAAUAAAAAAAAAAAAAAD/fwAA/38AAAAAAAAJAAAABAAAAAAAAAAeAAAAaAAAAAAAAAAAAAAAAAAAAAAAAAAAAAAAECcAABAnAAAAAAAAAAAAAAAAAAAAAAAAAAAAAAAAAAAAAAAAAAAAABQAAAAAAAAAwMD/AAAAAABkAAAAMgAAAAAAAABkAAAAAAAAAH9/fwAKAAAAIgAAABgAAAAAAAAAAAAAAAAAAAAAAAAAAAAAAAAAAAAkAAAAJAAAAAAAAAAHAAAAAAAAAAAAAAAAAAAAAAAAAAAAAAAAAAAAf39/ACUAAABYAAAAAAAAAAAAAAAAAAAAAAAAAAAAAAAAAAAAAAAAAAAAAAAAAAAAAAAAAAAAAAA/AAAAAAAAAKCGAQAAAAAAAAAAAAAAAAAMAAAAAQAAAAAAAAAAAAAAAAAAAB8AAABUAAAAAAAABQAAAAEAAAAAAAAAAAAAAAAAAAAAAAAAAAAAAAAAAAAAAAAAAAAAAAJ/f38AAAAAA8zMzADAwP8Af39/AAAAAAAAAAAAAAAAAAAAAAAAAAAAIQAAABgAAAAUAAAAwTUAABsnAABARwAAWSkAABAAAAAmAAAACAAAAAAAAAAAAAAA"/>
               </a:ext>
             </a:extLst>
           </p:cNvSpPr>
@@ -2066,7 +2067,7 @@
           <a:lstStyle/>
           <a:p>
             <a:pPr/>
-            <a:fld id="{0C3D8280-CEE1-6874-AF85-3821CCCB596D}" type="slidenum">
+            <a:fld id="{0CA7F36F-21E1-F205-AF1F-D750BD515982}" type="slidenum">
               <a:t>‹#›</a:t>
             </a:fld>
           </a:p>
@@ -2105,7 +2106,7 @@
             <a:spLocks noGrp="1" noChangeArrowheads="1"/>
             <a:extLst>
               <a:ext uri="smNativeData">
-                <pr:smNativeData xmlns:pr="smNativeData" xmlns="smNativeData" val="SMDATA_15_D/RJaRMAAAAlAAAAZAAAAA0AAAAAkAAAAEgAAACQAAAASAAAAAAAAAABAAAAAAAAAAEAAABQAAAAAAAAAAAA4D8AAAAAAADgPwAAAAAAAOA/AAAAAAAA4D8AAAAAAADgPwAAAAAAAOA/AAAAAAAA4D8AAAAAAADgPwAAAAAAAOA/AAAAAAAA4D8CAAAAjAAAAAAAAAAAAAAAu+DjDP///wgAAAAAAAAAAAAAAAAAAAAAAAAAAAAAAAAAAAAAZAAAAAEAAABAAAAAAAAAAAAAAAAAAAAAAAAAAAAAAAAAAAAAAAAAAAAAAAAAAAAAAAAAAAAAAAAAAAAAAAAAAAAAAAAAAAAAAAAAAAAAAAAAAAAAAAAAAAAAAAAAAAAAFAAAADwAAAAAAAAAAAAAAAAAAAkUAAAAAQAAABQAAAAUAAAAFAAAAAEAAAAAAAAAZAAAAGQAAAAAAAAAZAAAAGQAAAAVAAAAYAAAAAAAAAAAAAAADwAAACADAAAAAAAAAAAAAAEAAACgMgAAVgcAAKr4//8BAAAAf39/AAEAAABkAAAAAAAAABQAAABAHwAAAAAAACYAAAAAAAAAwOD//wAAAAAmAAAAZAAAABYAAABMAAAAAAAAAAAAAAAEAAAAAAAAAAEAAACAgIAKAAAAACgAAAAoAAAAZAAAAGQAAAAAAAAAzMzMAAAAAABQAAAAUAAAAGQAAABkAAAAAAAAABcAAAAUAAAAAAAAAAAAAAD/fwAA/38AAAAAAAAJAAAABAAAAPL1+v8eAAAAaAAAAAAAAAAAAAAAAAAAAAAAAAAAAAAAECcAABAnAAAAAAAAAAAAAAAAAAAAAAAAAAAAAAAAAAAAAAAAAAAAABQAAAAAAAAAwMD/AAAAAABkAAAAMgAAAAAAAABkAAAAAAAAAH9/fwAKAAAAIgAAABgAAAAAAAAAAAAAAAAAAAAAAAAAAAAAAAAAAAAkAAAAJAAAAAAAAAAHAAAAAAAAAAAAAAAAAAAAAAAAAAAAAAAAAAAAf39/ACUAAABYAAAAAAAAAAAAAAAAAAAAAAAAAAAAAAAAAAAAAAAAAAAAAAAAAAAAAAAAAAAAAAA/AAAAAAAAAKCGAQAAAAAAAAAAAAAAAAAMAAAAAQAAAAAAAAAAAAAAAAAAAB8AAABUAAAAAAAABQAAAAEAAAAAAAAAAAAAAAAAAAAAAAAAAAAAAAAAAAAAAAAAAAAAAAJ/f38AAAAAA8zMzADAwP8Af39/AAAAAAAAAAAAAAAAAAAAAAAAAAAAIQAAABgAAAAUAAAAwAMAABsnAAA/FQAAWSkAABAAAAAmAAAACAAAAAAAAAAAAAAA"/>
+                <pr:smNativeData xmlns:pr="smNativeData" xmlns="smNativeData" val="SMDATA_15_PhJKaRMAAAAlAAAAZAAAAA0AAAAAkAAAAEgAAACQAAAASAAAAAAAAAABAAAAAAAAAAEAAABQAAAAAAAAAAAA4D8AAAAAAADgPwAAAAAAAOA/AAAAAAAA4D8AAAAAAADgPwAAAAAAAOA/AAAAAAAA4D8AAAAAAADgPwAAAAAAAOA/AAAAAAAA4D8CAAAAjAAAAAAAAAAAAAAAu+DjDP///wgAAAAAAAAAAAAAAAAAAAAAAAAAAAAAAAAAAAAAZAAAAAEAAABAAAAAAAAAAAAAAAAAAAAAAAAAAAAAAAAAAAAAAAAAAAAAAAAAAAAAAAAAAAAAAAAAAAAAAAAAAAAAAAAAAAAAAAAAAAAAAAAAAAAAAAAAAAAAAAAAAAAAFAAAADwAAAAAAAAAAAAAAAAAAAkUAAAAAQAAABQAAAAUAAAAFAAAAAEAAAAAAAAAZAAAAGQAAAAAAAAAZAAAAGQAAAAVAAAAYAAAAAAAAAAAAAAADwAAACADAAAAAAAAAAAAAAEAAACgMgAAVgcAAKr4//8BAAAAf39/AAEAAABkAAAAAAAAABQAAABAHwAAAAAAACYAAAAAAAAAwOD//wAAAAAmAAAAZAAAABYAAABMAAAAAAAAAAAAAAAEAAAAAAAAAAEAAACAgIAKAAAAACgAAAAoAAAAZAAAAGQAAAAAAAAAzMzMAAAAAABQAAAAUAAAAGQAAABkAAAAAAAAABcAAAAUAAAAAAAAAAAAAAD/fwAA/38AAAAAAAAJAAAABAAAAPL1+v8eAAAAaAAAAAAAAAAAAAAAAAAAAAAAAAAAAAAAECcAABAnAAAAAAAAAAAAAAAAAAAAAAAAAAAAAAAAAAAAAAAAAAAAABQAAAAAAAAAwMD/AAAAAABkAAAAMgAAAAAAAABkAAAAAAAAAH9/fwAKAAAAIgAAABgAAAAAAAAAAAAAAAAAAAAAAAAAAAAAAAAAAAAkAAAAJAAAAAAAAAAHAAAAAAAAAAAAAAAAAAAAAAAAAAAAAAAAAAAAf39/ACUAAABYAAAAAAAAAAAAAAAAAAAAAAAAAAAAAAAAAAAAAAAAAAAAAAAAAAAAAAAAAAAAAAA/AAAAAAAAAKCGAQAAAAAAAAAAAAAAAAAMAAAAAQAAAAAAAAAAAAAAAAAAAB8AAABUAAAAAAAABQAAAAEAAAAAAAAAAAAAAAAAAAAAAAAAAAAAAAAAAAAAAAAAAAAAAAJ/f38AAAAAA8zMzADAwP8Af39/AAAAAAAAAAAAAAAAAAAAAAAAAAAAIQAAABgAAAAUAAAAwAMAABsnAAA/FQAAWSkAABAAAAAmAAAACAAAAAAAAAAAAAAA"/>
               </a:ext>
             </a:extLst>
           </p:cNvSpPr>
@@ -2119,7 +2120,7 @@
           <a:lstStyle/>
           <a:p>
             <a:pPr/>
-            <a:fld id="{0C3D98E0-AEE1-686E-AF85-583BD6CB590D}" type="datetime1">
+            <a:fld id="{0CA7B71A-54E1-F241-AF1F-A214F95159F7}" type="datetime1">
               <a:t>12/16/2025</a:t>
             </a:fld>
           </a:p>
@@ -2132,7 +2133,7 @@
             <a:spLocks noGrp="1" noChangeArrowheads="1"/>
             <a:extLst>
               <a:ext uri="smNativeData">
-                <pr:smNativeData xmlns:pr="smNativeData" xmlns="smNativeData" val="SMDATA_15_D/RJaRMAAAAlAAAAZAAAAA0AAAAAkAAAAEgAAACQAAAASAAAAAAAAAABAAAAAAAAAAEAAABQAAAAAAAAAAAA4D8AAAAAAADgPwAAAAAAAOA/AAAAAAAA4D8AAAAAAADgPwAAAAAAAOA/AAAAAAAA4D8AAAAAAADgPwAAAAAAAOA/AAAAAAAA4D8CAAAAjAAAAAAAAAAAAAAAu+DjDP///wgAAAAAAAAAAAAAAAAAAAAAAAAAAAAAAAAAAAAAZAAAAAEAAABAAAAAAAAAAAAAAAAAAAAAAAAAAAAAAAAAAAAAAAAAAAAAAAAAAAAAAAAAAAAAAAAAAAAAAAAAAAAAAAAAAAAAAAAAAAAAAAAAAAAAAAAAAAAAAAAAAAAAFAAAADwAAAAAAAAAAAAAAAAAAAkUAAAAAQAAABQAAAAUAAAAFAAAAAEAAAAAAAAAZAAAAGQAAAAAAAAAZAAAAGQAAAAVAAAAYAAAAAAAAAAAAAAADwAAACADAAAAAAAAAAAAAAEAAACgMgAAVgcAAKr4//8BAAAAf39/AAEAAABkAAAAAAAAABQAAABAHwAAAAAAACYAAAAAAAAAwOD//wAAAAAmAAAAZAAAABYAAABMAAAAAAAAAAAAAAAEAAAAAAAAAAEAAACAgIAKAAAAACgAAAAoAAAAZAAAAGQAAAAAAAAAzMzMAAAAAABQAAAAUAAAAGQAAABkAAAAAAAAABcAAAAUAAAAAAAAAAAAAAD/fwAA/38AAAAAAAAJAAAABAAAAAAAAAAeAAAAaAAAAAAAAAAAAAAAAAAAAAAAAAAAAAAAECcAABAnAAAAAAAAAAAAAAAAAAAAAAAAAAAAAAAAAAAAAAAAAAAAABQAAAAAAAAAwMD/AAAAAABkAAAAMgAAAAAAAABkAAAAAAAAAH9/fwAKAAAAIgAAABgAAAAAAAAAAAAAAAAAAAAAAAAAAAAAAAAAAAAkAAAAJAAAAAAAAAAHAAAAAAAAAAAAAAAAAAAAAAAAAAAAAAAAAAAAf39/ACUAAABYAAAAAAAAAAAAAAAAAAAAAAAAAAAAAAAAAAAAAAAAAAAAAAAAAAAAAAAAAAAAAAA/AAAAAAAAAKCGAQAAAAAAAAAAAAAAAAAMAAAAAQAAAAAAAAAAAAAAAAAAAB8AAABUAAAAAAAABQAAAAEAAAAAAAAAAAAAAAAAAAAAAAAAAAAAAAAAAAAAAAAAAAAAAAJ/f38AAAAAA8zMzADAwP8Af39/AAAAAAAAAAAAAAAAAAAAAAAAAAAAIQAAABgAAAAUAAAAoRkAABsnAABfMQAAWSkAABAAAAAmAAAACAAAAAAAAAAAAAAA"/>
+                <pr:smNativeData xmlns:pr="smNativeData" xmlns="smNativeData" val="SMDATA_15_PhJKaRMAAAAlAAAAZAAAAA0AAAAAkAAAAEgAAACQAAAASAAAAAAAAAABAAAAAAAAAAEAAABQAAAAAAAAAAAA4D8AAAAAAADgPwAAAAAAAOA/AAAAAAAA4D8AAAAAAADgPwAAAAAAAOA/AAAAAAAA4D8AAAAAAADgPwAAAAAAAOA/AAAAAAAA4D8CAAAAjAAAAAAAAAAAAAAAu+DjDP///wgAAAAAAAAAAAAAAAAAAAAAAAAAAAAAAAAAAAAAZAAAAAEAAABAAAAAAAAAAAAAAAAAAAAAAAAAAAAAAAAAAAAAAAAAAAAAAAAAAAAAAAAAAAAAAAAAAAAAAAAAAAAAAAAAAAAAAAAAAAAAAAAAAAAAAAAAAAAAAAAAAAAAFAAAADwAAAAAAAAAAAAAAAAAAAkUAAAAAQAAABQAAAAUAAAAFAAAAAEAAAAAAAAAZAAAAGQAAAAAAAAAZAAAAGQAAAAVAAAAYAAAAAAAAAAAAAAADwAAACADAAAAAAAAAAAAAAEAAACgMgAAVgcAAKr4//8BAAAAf39/AAEAAABkAAAAAAAAABQAAABAHwAAAAAAACYAAAAAAAAAwOD//wAAAAAmAAAAZAAAABYAAABMAAAAAAAAAAAAAAAEAAAAAAAAAAEAAACAgIAKAAAAACgAAAAoAAAAZAAAAGQAAAAAAAAAzMzMAAAAAABQAAAAUAAAAGQAAABkAAAAAAAAABcAAAAUAAAAAAAAAAAAAAD/fwAA/38AAAAAAAAJAAAABAAAAAAAAAAeAAAAaAAAAAAAAAAAAAAAAAAAAAAAAAAAAAAAECcAABAnAAAAAAAAAAAAAAAAAAAAAAAAAAAAAAAAAAAAAAAAAAAAABQAAAAAAAAAwMD/AAAAAABkAAAAMgAAAAAAAABkAAAAAAAAAH9/fwAKAAAAIgAAABgAAAAAAAAAAAAAAAAAAAAAAAAAAAAAAAAAAAAkAAAAJAAAAAAAAAAHAAAAAAAAAAAAAAAAAAAAAAAAAAAAAAAAAAAAf39/ACUAAABYAAAAAAAAAAAAAAAAAAAAAAAAAAAAAAAAAAAAAAAAAAAAAAAAAAAAAAAAAAAAAAA/AAAAAAAAAKCGAQAAAAAAAAAAAAAAAAAMAAAAAQAAAAAAAAAAAAAAAAAAAB8AAABUAAAAAAAABQAAAAEAAAAAAAAAAAAAAAAAAAAAAAAAAAAAAAAAAAAAAAAAAAAAAAJ/f38AAAAAA8zMzADAwP8Af39/AAAAAAAAAAAAAAAAAAAAAAAAAAAAIQAAABgAAAAUAAAAoRkAABsnAABfMQAAWSkAABAAAAAmAAAACAAAAAAAAAAAAAAA"/>
               </a:ext>
             </a:extLst>
           </p:cNvSpPr>
@@ -2156,7 +2157,7 @@
             <a:spLocks noGrp="1" noChangeArrowheads="1"/>
             <a:extLst>
               <a:ext uri="smNativeData">
-                <pr:smNativeData xmlns:pr="smNativeData" xmlns="smNativeData" val="SMDATA_15_D/RJaRMAAAAlAAAAZAAAAA0AAAAAkAAAAEgAAACQAAAASAAAAAAAAAABAAAAAAAAAAEAAABQAAAAAAAAAAAA4D8AAAAAAADgPwAAAAAAAOA/AAAAAAAA4D8AAAAAAADgPwAAAAAAAOA/AAAAAAAA4D8AAAAAAADgPwAAAAAAAOA/AAAAAAAA4D8CAAAAjAAAAAAAAAAAAAAAu+DjDP///wgAAAAAAAAAAAAAAAAAAAAAAAAAAAAAAAAAAAAAZAAAAAEAAABAAAAAAAAAAAAAAAAAAAAAAAAAAAAAAAAAAAAAAAAAAAAAAAAAAAAAAAAAAAAAAAAAAAAAAAAAAAAAAAAAAAAAAAAAAAAAAAAAAAAAAAAAAAAAAAAAAAAAFAAAADwAAAAAAAAAAAAAAAAAAAkUAAAAAQAAABQAAAAUAAAAFAAAAAEAAAAAAAAAZAAAAGQAAAAAAAAAZAAAAGQAAAAVAAAAYAAAAAAAAAAAAAAADwAAACADAAAAAAAAAAAAAAEAAACgMgAAVgcAAKr4//8BAAAAf39/AAEAAABkAAAAAAAAABQAAABAHwAAAAAAACYAAAAAAAAAwOD//wAAAAAmAAAAZAAAABYAAABMAAAAAAAAAAAAAAAEAAAAAAAAAAEAAACAgIAKAAAAACgAAAAoAAAAZAAAAGQAAAAAAAAAzMzMAAAAAABQAAAAUAAAAGQAAABkAAAAAAAAABcAAAAUAAAAAAAAAAAAAAD/fwAA/38AAAAAAAAJAAAABAAAAAAAAAAeAAAAaAAAAAAAAAAAAAAAAAAAAAAAAAAAAAAAECcAABAnAAAAAAAAAAAAAAAAAAAAAAAAAAAAAAAAAAAAAAAAAAAAABQAAAAAAAAAwMD/AAAAAABkAAAAMgAAAAAAAABkAAAAAAAAAH9/fwAKAAAAIgAAABgAAAAAAAAAAAAAAAAAAAAAAAAAAAAAAAAAAAAkAAAAJAAAAAAAAAAHAAAAAAAAAAAAAAAAAAAAAAAAAAAAAAAAAAAAf39/ACUAAABYAAAAAAAAAAAAAAAAAAAAAAAAAAAAAAAAAAAAAAAAAAAAAAAAAAAAAAAAAAAAAAA/AAAAAAAAAKCGAQAAAAAAAAAAAAAAAAAMAAAAAQAAAAAAAAAAAAAAAAAAAB8AAABUAAAAAAAABQAAAAEAAAAAAAAAAAAAAAAAAAAAAAAAAAAAAAAAAAAAAAAAAAAAAAJ/f38AAAAAA8zMzADAwP8Af39/AAAAAAAAAAAAAAAAAAAAAAAAAAAAIQAAABgAAAAUAAAAwTUAABsnAABARwAAWSkAABAAAAAmAAAACAAAAAAAAAAAAAAA"/>
+                <pr:smNativeData xmlns:pr="smNativeData" xmlns="smNativeData" val="SMDATA_15_PhJKaRMAAAAlAAAAZAAAAA0AAAAAkAAAAEgAAACQAAAASAAAAAAAAAABAAAAAAAAAAEAAABQAAAAAAAAAAAA4D8AAAAAAADgPwAAAAAAAOA/AAAAAAAA4D8AAAAAAADgPwAAAAAAAOA/AAAAAAAA4D8AAAAAAADgPwAAAAAAAOA/AAAAAAAA4D8CAAAAjAAAAAAAAAAAAAAAu+DjDP///wgAAAAAAAAAAAAAAAAAAAAAAAAAAAAAAAAAAAAAZAAAAAEAAABAAAAAAAAAAAAAAAAAAAAAAAAAAAAAAAAAAAAAAAAAAAAAAAAAAAAAAAAAAAAAAAAAAAAAAAAAAAAAAAAAAAAAAAAAAAAAAAAAAAAAAAAAAAAAAAAAAAAAFAAAADwAAAAAAAAAAAAAAAAAAAkUAAAAAQAAABQAAAAUAAAAFAAAAAEAAAAAAAAAZAAAAGQAAAAAAAAAZAAAAGQAAAAVAAAAYAAAAAAAAAAAAAAADwAAACADAAAAAAAAAAAAAAEAAACgMgAAVgcAAKr4//8BAAAAf39/AAEAAABkAAAAAAAAABQAAABAHwAAAAAAACYAAAAAAAAAwOD//wAAAAAmAAAAZAAAABYAAABMAAAAAAAAAAAAAAAEAAAAAAAAAAEAAACAgIAKAAAAACgAAAAoAAAAZAAAAGQAAAAAAAAAzMzMAAAAAABQAAAAUAAAAGQAAABkAAAAAAAAABcAAAAUAAAAAAAAAAAAAAD/fwAA/38AAAAAAAAJAAAABAAAAAAAAAAeAAAAaAAAAAAAAAAAAAAAAAAAAAAAAAAAAAAAECcAABAnAAAAAAAAAAAAAAAAAAAAAAAAAAAAAAAAAAAAAAAAAAAAABQAAAAAAAAAwMD/AAAAAABkAAAAMgAAAAAAAABkAAAAAAAAAH9/fwAKAAAAIgAAABgAAAAAAAAAAAAAAAAAAAAAAAAAAAAAAAAAAAAkAAAAJAAAAAAAAAAHAAAAAAAAAAAAAAAAAAAAAAAAAAAAAAAAAAAAf39/ACUAAABYAAAAAAAAAAAAAAAAAAAAAAAAAAAAAAAAAAAAAAAAAAAAAAAAAAAAAAAAAAAAAAA/AAAAAAAAAKCGAQAAAAAAAAAAAAAAAAAMAAAAAQAAAAAAAAAAAAAAAAAAAB8AAABUAAAAAAAABQAAAAEAAAAAAAAAAAAAAAAAAAAAAAAAAAAAAAAAAAAAAAAAAAAAAAJ/f38AAAAAA8zMzADAwP8Af39/AAAAAAAAAAAAAAAAAAAAAAAAAAAAIQAAABgAAAAUAAAAwTUAABsnAABARwAAWSkAABAAAAAmAAAACAAAAAAAAAAAAAAA"/>
               </a:ext>
             </a:extLst>
           </p:cNvSpPr>
@@ -2170,7 +2171,7 @@
           <a:lstStyle/>
           <a:p>
             <a:pPr/>
-            <a:fld id="{0C3DF72D-63E1-6801-AF85-9554B9CB59C0}" type="slidenum">
+            <a:fld id="{0CA7C460-2EE1-F232-AF1F-D8678A51598D}" type="slidenum">
               <a:t>‹#›</a:t>
             </a:fld>
           </a:p>
@@ -2209,7 +2210,7 @@
             <a:spLocks noGrp="1" noChangeArrowheads="1"/>
             <a:extLst>
               <a:ext uri="smNativeData">
-                <pr:smNativeData xmlns:pr="smNativeData" xmlns="smNativeData" val="SMDATA_15_D/RJaRMAAAAlAAAAZAAAAA0AAAAAkAAAAEgAAACQAAAASAAAAAAAAAACAAAAAAAAAAEAAABQAAAAAAAAAAAA4D8AAAAAAADgPwAAAAAAAOA/AAAAAAAA4D8AAAAAAADgPwAAAAAAAOA/AAAAAAAA4D8AAAAAAADgPwAAAAAAAOA/AAAAAAAA4D8CAAAAjAAAAAAAAAAAAAAAu+DjDP///wgAAAAAAAAAAAAAAAAAAAAAAAAAAAAAAAAAAAAAZAAAAAEAAABAAAAAAAAAAAAAAAAAAAAAAAAAAAAAAAAAAAAAAAAAAAAAAAAAAAAAAAAAAAAAAAAAAAAAAAAAAAAAAAAAAAAAAAAAAAAAAAAAAAAAAAAAAAAAAAAAAAAAFAAAADwAAAAAAAAAAAAAAAAAAAkUAAAAAQAAABQAAAAUAAAAFAAAAAEAAAAAAAAAZAAAAGQAAAAAAAAAZAAAAGQAAAAVAAAAYAAAAAAAAAAAAAAADwAAACADAAAAAAAAAAAAAAEAAACgMgAAVgcAAKr4//8BAAAAf39/AAEAAABkAAAAAAAAABQAAABAHwAAAAAAACYAAAAAAAAAwOD//wAAAAAmAAAAZAAAABYAAABMAAAAAAAAAAAAAAAEAAAAAAAAAAEAAACAgIAKAAAAACgAAAAoAAAAZAAAAGQAAAAAAAAAzMzMAAAAAABQAAAAUAAAAGQAAABkAAAAAAAAABcAAAAUAAAAAAAAAAAAAAD/fwAA/38AAAAAAAAJAAAABAAAAGkAZAAeAAAAaAAAAAAAAAAAAAAAAAAAAAAAAAAAAAAAECcAABAnAAAAAAAAAAAAAAAAAAAAAAAAAAAAAAAAAAAAAAAAAAAAABQAAAAAAAAAwMD/AAAAAABkAAAAMgAAAAAAAABkAAAAAAAAAH9/fwAKAAAAIgAAABgAAAAAAAAAAAAAAAAAAAAAAAAAAAAAAAAAAAAkAAAAJAAAAAAAAAAHAAAAAAAAAAAAAAAAAAAAAAAAAAAAAAAAAAAAf39/ACUAAABYAAAAAAAAAAAAAAAAAAAAAAAAAAAAAAAAAAAAAAAAAAAAAAAAAAAAAAAAAAAAAAA/AAAAAAAAAKCGAQAAAAAAAAAAAAAAAAAMAAAAAQAAAAAAAAAAAAAAAAAAAB8AAABUAAAAAAAABQAAAAEAAAAAAAAAAAAAAAAAAAAAAAAAAAAAAAAAAAAAAAAAAAAAAAJ/f38AAAAAA8zMzADAwP8Af39/AAAAAAAAAAAAAAAAAAAAAAAAAAAAIQAAABgAAAAUAAAAwAMAAK4BAABtHAAA1AgAABAAAAAmAAAACAAAAIGQAAAAAAAA"/>
+                <pr:smNativeData xmlns:pr="smNativeData" xmlns="smNativeData" val="SMDATA_15_PhJKaRMAAAAlAAAAZAAAAA0AAAAAkAAAAEgAAACQAAAASAAAAAAAAAACAAAAAAAAAAEAAABQAAAAAAAAAAAA4D8AAAAAAADgPwAAAAAAAOA/AAAAAAAA4D8AAAAAAADgPwAAAAAAAOA/AAAAAAAA4D8AAAAAAADgPwAAAAAAAOA/AAAAAAAA4D8CAAAAjAAAAAAAAAAAAAAAu+DjDP///wgAAAAAAAAAAAAAAAAAAAAAAAAAAAAAAAAAAAAAZAAAAAEAAABAAAAAAAAAAAAAAAAAAAAAAAAAAAAAAAAAAAAAAAAAAAAAAAAAAAAAAAAAAAAAAAAAAAAAAAAAAAAAAAAAAAAAAAAAAAAAAAAAAAAAAAAAAAAAAAAAAAAAFAAAADwAAAAAAAAAAAAAAAAAAAkUAAAAAQAAABQAAAAUAAAAFAAAAAEAAAAAAAAAZAAAAGQAAAAAAAAAZAAAAGQAAAAVAAAAYAAAAAAAAAAAAAAADwAAACADAAAAAAAAAAAAAAEAAACgMgAAVgcAAKr4//8BAAAAf39/AAEAAABkAAAAAAAAABQAAABAHwAAAAAAACYAAAAAAAAAwOD//wAAAAAmAAAAZAAAABYAAABMAAAAAAAAAAAAAAAEAAAAAAAAAAEAAACAgIAKAAAAACgAAAAoAAAAZAAAAGQAAAAAAAAAzMzMAAAAAABQAAAAUAAAAGQAAABkAAAAAAAAABcAAAAUAAAAAAAAAAAAAAD/fwAA/38AAAAAAAAJAAAABAAAAGkAZAAeAAAAaAAAAAAAAAAAAAAAAAAAAAAAAAAAAAAAECcAABAnAAAAAAAAAAAAAAAAAAAAAAAAAAAAAAAAAAAAAAAAAAAAABQAAAAAAAAAwMD/AAAAAABkAAAAMgAAAAAAAABkAAAAAAAAAH9/fwAKAAAAIgAAABgAAAAAAAAAAAAAAAAAAAAAAAAAAAAAAAAAAAAkAAAAJAAAAAAAAAAHAAAAAAAAAAAAAAAAAAAAAAAAAAAAAAAAAAAAf39/ACUAAABYAAAAAAAAAAAAAAAAAAAAAAAAAAAAAAAAAAAAAAAAAAAAAAAAAAAAAAAAAAAAAAA/AAAAAAAAAKCGAQAAAAAAAAAAAAAAAAAMAAAAAQAAAAAAAAAAAAAAAAAAAB8AAABUAAAAAAAABQAAAAEAAAAAAAAAAAAAAAAAAAAAAAAAAAAAAAAAAAAAAAAAAAAAAAJ/f38AAAAAA8zMzADAwP8Af39/AAAAAAAAAAAAAAAAAAAAAAAAAAAAIQAAABgAAAAUAAAAwAMAAK4BAABtHAAA1AgAABAAAAAmAAAACAAAAIGQAAAAAAAA"/>
               </a:ext>
             </a:extLst>
           </p:cNvSpPr>
@@ -2249,7 +2250,7 @@
             <a:spLocks noGrp="1" noChangeArrowheads="1"/>
             <a:extLst>
               <a:ext uri="smNativeData">
-                <pr:smNativeData xmlns:pr="smNativeData" xmlns="smNativeData" val="SMDATA_15_D/RJaRMAAAAlAAAAZAAAAA0AAAAAkAAAAEgAAACQAAAASAAAAAAAAAAAAAAAAAAAAAEAAABQAAAAAAAAAAAA4D8AAAAAAADgPwAAAAAAAOA/AAAAAAAA4D8AAAAAAADgPwAAAAAAAOA/AAAAAAAA4D8AAAAAAADgPwAAAAAAAOA/AAAAAAAA4D8CAAAAjAAAAAAAAAAAAAAAu+DjDP///wgAAAAAAAAAAAAAAAAAAAAAAAAAAAAAAAAAAAAAZAAAAAEAAABAAAAAAAAAAAAAAAAAAAAAAAAAAAAAAAAAAAAAAAAAAAAAAAAAAAAAAAAAAAAAAAAAAAAAAAAAAAAAAAAAAAAAAAAAAAAAAAAAAAAAAAAAAAAAAAAAAAAAFAAAADwAAAAAAAAAAAAAAAAAAAkUAAAAAQAAABQAAAAUAAAAFAAAAAEAAAAAAAAAZAAAAGQAAAAAAAAAZAAAAGQAAAAVAAAAYAAAAAAAAAAAAAAADwAAACADAAAAAAAAAAAAAAEAAACgMgAAVgcAAKr4//8BAAAAf39/AAEAAABkAAAAAAAAABQAAABAHwAAAAAAACYAAAAAAAAAwOD//wAAAAAmAAAAZAAAABYAAABMAAAAAAAAAAAAAAAEAAAAAAAAAAEAAACAgIAKAAAAACgAAAAoAAAAZAAAAGQAAAAAAAAAzMzMAAAAAABQAAAAUAAAAGQAAABkAAAAAAAAABcAAAAUAAAAAAAAAAAAAAD/fwAA/38AAAAAAAAJAAAABAAAAAAAAAAeAAAAaAAAAAAAAAAAAAAAAAAAAAAAAAAAAAAAECcAABAnAAAAAAAAAAAAAAAAAAAAAAAAAAAAAAAAAAAAAAAAAAAAABQAAAAAAAAAwMD/AAAAAABkAAAAMgAAAAAAAABkAAAAAAAAAH9/fwAKAAAAIgAAABgAAAAAAAAAAAAAAAAAAAAAAAAAAAAAAAAAAAAkAAAAJAAAAAAAAAAHAAAAAAAAAAAAAAAAAAAAAAAAAAAAAAAAAAAAf39/ACUAAABYAAAAAAAAAAAAAAAAAAAAAAAAAAAAAAAAAAAAAAAAAAAAAAAAAAAAAAAAAAAAAAA/AAAAAAAAAKCGAQAAAAAAAAAAAAAAAAAMAAAAAQAAAAAAAAAAAAAAAAAAAB8AAABUAAAAAAAABQAAAAEAAAAAAAAAAAAAAAAAAAAAAAAAAAAAAAAAAAAAAAAAAAAAAAJ/f38AAAAAA8zMzADAwP8Af39/AAAAAAAAAAAAAAAAAAAAAAAAAAAAIQAAABgAAAAUAAAAUx0AAK4BAABARwAAsCUAABAAAAAmAAAACAAAAAGAAAAAAAAA"/>
+                <pr:smNativeData xmlns:pr="smNativeData" xmlns="smNativeData" val="SMDATA_15_PhJKaRMAAAAlAAAAZAAAAA0AAAAAkAAAAEgAAACQAAAASAAAAAAAAAAAAAAAAAAAAAEAAABQAAAAAAAAAAAA4D8AAAAAAADgPwAAAAAAAOA/AAAAAAAA4D8AAAAAAADgPwAAAAAAAOA/AAAAAAAA4D8AAAAAAADgPwAAAAAAAOA/AAAAAAAA4D8CAAAAjAAAAAAAAAAAAAAAu+DjDP///wgAAAAAAAAAAAAAAAAAAAAAAAAAAAAAAAAAAAAAZAAAAAEAAABAAAAAAAAAAAAAAAAAAAAAAAAAAAAAAAAAAAAAAAAAAAAAAAAAAAAAAAAAAAAAAAAAAAAAAAAAAAAAAAAAAAAAAAAAAAAAAAAAAAAAAAAAAAAAAAAAAAAAFAAAADwAAAAAAAAAAAAAAAAAAAkUAAAAAQAAABQAAAAUAAAAFAAAAAEAAAAAAAAAZAAAAGQAAAAAAAAAZAAAAGQAAAAVAAAAYAAAAAAAAAAAAAAADwAAACADAAAAAAAAAAAAAAEAAACgMgAAVgcAAKr4//8BAAAAf39/AAEAAABkAAAAAAAAABQAAABAHwAAAAAAACYAAAAAAAAAwOD//wAAAAAmAAAAZAAAABYAAABMAAAAAAAAAAAAAAAEAAAAAAAAAAEAAACAgIAKAAAAACgAAAAoAAAAZAAAAGQAAAAAAAAAzMzMAAAAAABQAAAAUAAAAGQAAABkAAAAAAAAABcAAAAUAAAAAAAAAAAAAAD/fwAA/38AAAAAAAAJAAAABAAAAAAAAAAeAAAAaAAAAAAAAAAAAAAAAAAAAAAAAAAAAAAAECcAABAnAAAAAAAAAAAAAAAAAAAAAAAAAAAAAAAAAAAAAAAAAAAAABQAAAAAAAAAwMD/AAAAAABkAAAAMgAAAAAAAABkAAAAAAAAAH9/fwAKAAAAIgAAABgAAAAAAAAAAAAAAAAAAAAAAAAAAAAAAAAAAAAkAAAAJAAAAAAAAAAHAAAAAAAAAAAAAAAAAAAAAAAAAAAAAAAAAAAAf39/ACUAAABYAAAAAAAAAAAAAAAAAAAAAAAAAAAAAAAAAAAAAAAAAAAAAAAAAAAAAAAAAAAAAAA/AAAAAAAAAKCGAQAAAAAAAAAAAAAAAAAMAAAAAQAAAAAAAAAAAAAAAAAAAB8AAABUAAAAAAAABQAAAAEAAAAAAAAAAAAAAAAAAAAAAAAAAAAAAAAAAAAAAAAAAAAAAAJ/f38AAAAAA8zMzADAwP8Af39/AAAAAAAAAAAAAAAAAAAAAAAAAAAAIQAAABgAAAAUAAAAUx0AAK4BAABARwAAsCUAABAAAAAmAAAACAAAAAGAAAAAAAAA"/>
               </a:ext>
             </a:extLst>
           </p:cNvSpPr>
@@ -2333,7 +2334,7 @@
             <a:spLocks noGrp="1" noChangeArrowheads="1"/>
             <a:extLst>
               <a:ext uri="smNativeData">
-                <pr:smNativeData xmlns:pr="smNativeData" xmlns="smNativeData" val="SMDATA_15_D/RJaRMAAAAlAAAAZAAAAA0AAAAAkAAAAEgAAACQAAAASAAAAAAAAAAAAAAAAAAAAAEAAABQAAAAAAAAAAAA4D8AAAAAAADgPwAAAAAAAOA/AAAAAAAA4D8AAAAAAADgPwAAAAAAAOA/AAAAAAAA4D8AAAAAAADgPwAAAAAAAOA/AAAAAAAA4D8CAAAAjAAAAAAAAAAAAAAAu+DjDP///wgAAAAAAAAAAAAAAAAAAAAAAAAAAAAAAAAAAAAAZAAAAAEAAABAAAAAAAAAAAAAAAAAAAAAAAAAAAAAAAAAAAAAAAAAAAAAAAAAAAAAAAAAAAAAAAAAAAAAAAAAAAAAAAAAAAAAAAAAAAAAAAAAAAAAAAAAAAAAAAAAAAAAFAAAADwAAAAAAAAAAAAAAAAAAAkUAAAAAQAAABQAAAAUAAAAFAAAAAEAAAAAAAAAZAAAAGQAAAAAAAAAZAAAAGQAAAAVAAAAYAAAAAAAAAAAAAAADwAAACADAAAAAAAAAAAAAAEAAACgMgAAVgcAAKr4//8BAAAAf39/AAEAAABkAAAAAAAAABQAAABAHwAAAAAAACYAAAAAAAAAwOD//wAAAAAmAAAAZAAAABYAAABMAAAAAAAAAAAAAAAEAAAAAAAAAAEAAACAgIAKAAAAACgAAAAoAAAAZAAAAGQAAAAAAAAAzMzMAAAAAABQAAAAUAAAAGQAAABkAAAAAAAAABcAAAAUAAAAAAAAAAAAAAD/fwAA/38AAAAAAAAJAAAABAAAAAAAAAAeAAAAaAAAAAAAAAAAAAAAAAAAAAAAAAAAAAAAECcAABAnAAAAAAAAAAAAAAAAAAAAAAAAAAAAAAAAAAAAAAAAAAAAABQAAAAAAAAAwMD/AAAAAABkAAAAMgAAAAAAAABkAAAAAAAAAH9/fwAKAAAAIgAAABgAAAAAAAAAAAAAAAAAAAAAAAAAAAAAAAAAAAAkAAAAJAAAAAAAAAAHAAAAAAAAAAAAAAAAAAAAAAAAAAAAAAAAAAAAf39/ACUAAABYAAAAAAAAAAAAAAAAAAAAAAAAAAAAAAAAAAAAAAAAAAAAAAAAAAAAAAAAAAAAAAA/AAAAAAAAAKCGAQAAAAAAAAAAAAAAAAAMAAAAAQAAAAAAAAAAAAAAAAAAAB8AAABUAAAAAAAABQAAAAEAAAAAAAAAAAAAAAAAAAAAAAAAAAAAAAAAAAAAAAAAAAAAAAJ/f38AAAAAA8zMzADAwP8Af39/AAAAAAAAAAAAAAAAAAAAAAAAAAAAIQAAABgAAAAUAAAAwAMAANQIAABtHAAAsCUAABAAAAAmAAAACAAAAAGAAAAAAAAA"/>
+                <pr:smNativeData xmlns:pr="smNativeData" xmlns="smNativeData" val="SMDATA_15_PhJKaRMAAAAlAAAAZAAAAA0AAAAAkAAAAEgAAACQAAAASAAAAAAAAAAAAAAAAAAAAAEAAABQAAAAAAAAAAAA4D8AAAAAAADgPwAAAAAAAOA/AAAAAAAA4D8AAAAAAADgPwAAAAAAAOA/AAAAAAAA4D8AAAAAAADgPwAAAAAAAOA/AAAAAAAA4D8CAAAAjAAAAAAAAAAAAAAAu+DjDP///wgAAAAAAAAAAAAAAAAAAAAAAAAAAAAAAAAAAAAAZAAAAAEAAABAAAAAAAAAAAAAAAAAAAAAAAAAAAAAAAAAAAAAAAAAAAAAAAAAAAAAAAAAAAAAAAAAAAAAAAAAAAAAAAAAAAAAAAAAAAAAAAAAAAAAAAAAAAAAAAAAAAAAFAAAADwAAAAAAAAAAAAAAAAAAAkUAAAAAQAAABQAAAAUAAAAFAAAAAEAAAAAAAAAZAAAAGQAAAAAAAAAZAAAAGQAAAAVAAAAYAAAAAAAAAAAAAAADwAAACADAAAAAAAAAAAAAAEAAACgMgAAVgcAAKr4//8BAAAAf39/AAEAAABkAAAAAAAAABQAAABAHwAAAAAAACYAAAAAAAAAwOD//wAAAAAmAAAAZAAAABYAAABMAAAAAAAAAAAAAAAEAAAAAAAAAAEAAACAgIAKAAAAACgAAAAoAAAAZAAAAGQAAAAAAAAAzMzMAAAAAABQAAAAUAAAAGQAAABkAAAAAAAAABcAAAAUAAAAAAAAAAAAAAD/fwAA/38AAAAAAAAJAAAABAAAAAAAAAAeAAAAaAAAAAAAAAAAAAAAAAAAAAAAAAAAAAAAECcAABAnAAAAAAAAAAAAAAAAAAAAAAAAAAAAAAAAAAAAAAAAAAAAABQAAAAAAAAAwMD/AAAAAABkAAAAMgAAAAAAAABkAAAAAAAAAH9/fwAKAAAAIgAAABgAAAAAAAAAAAAAAAAAAAAAAAAAAAAAAAAAAAAkAAAAJAAAAAAAAAAHAAAAAAAAAAAAAAAAAAAAAAAAAAAAAAAAAAAAf39/ACUAAABYAAAAAAAAAAAAAAAAAAAAAAAAAAAAAAAAAAAAAAAAAAAAAAAAAAAAAAAAAAAAAAA/AAAAAAAAAKCGAQAAAAAAAAAAAAAAAAAMAAAAAQAAAAAAAAAAAAAAAAAAAB8AAABUAAAAAAAABQAAAAEAAAAAAAAAAAAAAAAAAAAAAAAAAAAAAAAAAAAAAAAAAAAAAAJ/f38AAAAAA8zMzADAwP8Af39/AAAAAAAAAAAAAAAAAAAAAAAAAAAAIQAAABgAAAAUAAAAwAMAANQIAABtHAAAsCUAABAAAAAmAAAACAAAAAGAAAAAAAAA"/>
               </a:ext>
             </a:extLst>
           </p:cNvSpPr>
@@ -2402,7 +2403,7 @@
             <a:spLocks noGrp="1" noChangeArrowheads="1"/>
             <a:extLst>
               <a:ext uri="smNativeData">
-                <pr:smNativeData xmlns:pr="smNativeData" xmlns="smNativeData" val="SMDATA_15_D/RJaRMAAAAlAAAAZAAAAA0AAAAAkAAAAEgAAACQAAAASAAAAAAAAAABAAAAAAAAAAEAAABQAAAAAAAAAAAA4D8AAAAAAADgPwAAAAAAAOA/AAAAAAAA4D8AAAAAAADgPwAAAAAAAOA/AAAAAAAA4D8AAAAAAADgPwAAAAAAAOA/AAAAAAAA4D8CAAAAjAAAAAAAAAAAAAAAu+DjDP///wgAAAAAAAAAAAAAAAAAAAAAAAAAAAAAAAAAAAAAZAAAAAEAAABAAAAAAAAAAAAAAAAAAAAAAAAAAAAAAAAAAAAAAAAAAAAAAAAAAAAAAAAAAAAAAAAAAAAAAAAAAAAAAAAAAAAAAAAAAAAAAAAAAAAAAAAAAAAAAAAAAAAAFAAAADwAAAAAAAAAAAAAAAAAAAkUAAAAAQAAABQAAAAUAAAAFAAAAAEAAAAAAAAAZAAAAGQAAAAAAAAAZAAAAGQAAAAVAAAAYAAAAAAAAAAAAAAADwAAACADAAAAAAAAAAAAAAEAAACgMgAAVgcAAKr4//8BAAAAf39/AAEAAABkAAAAAAAAABQAAABAHwAAAAAAACYAAAAAAAAAwOD//wAAAAAmAAAAZAAAABYAAABMAAAAAAAAAAAAAAAEAAAAAAAAAAEAAACAgIAKAAAAACgAAAAoAAAAZAAAAGQAAAAAAAAAzMzMAAAAAABQAAAAUAAAAGQAAABkAAAAAAAAABcAAAAUAAAAAAAAAAAAAAD/fwAA/38AAAAAAAAJAAAABAAAAAAAAAAeAAAAaAAAAAAAAAAAAAAAAAAAAAAAAAAAAAAAECcAABAnAAAAAAAAAAAAAAAAAAAAAAAAAAAAAAAAAAAAAAAAAAAAABQAAAAAAAAAwMD/AAAAAABkAAAAMgAAAAAAAABkAAAAAAAAAH9/fwAKAAAAIgAAABgAAAAAAAAAAAAAAAAAAAAAAAAAAAAAAAAAAAAkAAAAJAAAAAAAAAAHAAAAAAAAAAAAAAAAAAAAAAAAAAAAAAAAAAAAf39/ACUAAABYAAAAAAAAAAAAAAAAAAAAAAAAAAAAAAAAAAAAAAAAAAAAAAAAAAAAAAAAAAAAAAA/AAAAAAAAAKCGAQAAAAAAAAAAAAAAAAAMAAAAAQAAAAAAAAAAAAAAAAAAAB8AAABUAAAAAAAABQAAAAEAAAAAAAAAAAAAAAAAAAAAAAAAAAAAAAAAAAAAAAAAAAAAAAJ/f38AAAAAA8zMzADAwP8Af39/AAAAAAAAAAAAAAAAAAAAAAAAAAAAIQAAABgAAAAUAAAAwAMAABsnAAA/FQAAWSkAABAAAAAmAAAACAAAAAAAAAAAAAAA"/>
+                <pr:smNativeData xmlns:pr="smNativeData" xmlns="smNativeData" val="SMDATA_15_PhJKaRMAAAAlAAAAZAAAAA0AAAAAkAAAAEgAAACQAAAASAAAAAAAAAABAAAAAAAAAAEAAABQAAAAAAAAAAAA4D8AAAAAAADgPwAAAAAAAOA/AAAAAAAA4D8AAAAAAADgPwAAAAAAAOA/AAAAAAAA4D8AAAAAAADgPwAAAAAAAOA/AAAAAAAA4D8CAAAAjAAAAAAAAAAAAAAAu+DjDP///wgAAAAAAAAAAAAAAAAAAAAAAAAAAAAAAAAAAAAAZAAAAAEAAABAAAAAAAAAAAAAAAAAAAAAAAAAAAAAAAAAAAAAAAAAAAAAAAAAAAAAAAAAAAAAAAAAAAAAAAAAAAAAAAAAAAAAAAAAAAAAAAAAAAAAAAAAAAAAAAAAAAAAFAAAADwAAAAAAAAAAAAAAAAAAAkUAAAAAQAAABQAAAAUAAAAFAAAAAEAAAAAAAAAZAAAAGQAAAAAAAAAZAAAAGQAAAAVAAAAYAAAAAAAAAAAAAAADwAAACADAAAAAAAAAAAAAAEAAACgMgAAVgcAAKr4//8BAAAAf39/AAEAAABkAAAAAAAAABQAAABAHwAAAAAAACYAAAAAAAAAwOD//wAAAAAmAAAAZAAAABYAAABMAAAAAAAAAAAAAAAEAAAAAAAAAAEAAACAgIAKAAAAACgAAAAoAAAAZAAAAGQAAAAAAAAAzMzMAAAAAABQAAAAUAAAAGQAAABkAAAAAAAAABcAAAAUAAAAAAAAAAAAAAD/fwAA/38AAAAAAAAJAAAABAAAAAAAAAAeAAAAaAAAAAAAAAAAAAAAAAAAAAAAAAAAAAAAECcAABAnAAAAAAAAAAAAAAAAAAAAAAAAAAAAAAAAAAAAAAAAAAAAABQAAAAAAAAAwMD/AAAAAABkAAAAMgAAAAAAAABkAAAAAAAAAH9/fwAKAAAAIgAAABgAAAAAAAAAAAAAAAAAAAAAAAAAAAAAAAAAAAAkAAAAJAAAAAAAAAAHAAAAAAAAAAAAAAAAAAAAAAAAAAAAAAAAAAAAf39/ACUAAABYAAAAAAAAAAAAAAAAAAAAAAAAAAAAAAAAAAAAAAAAAAAAAAAAAAAAAAAAAAAAAAA/AAAAAAAAAKCGAQAAAAAAAAAAAAAAAAAMAAAAAQAAAAAAAAAAAAAAAAAAAB8AAABUAAAAAAAABQAAAAEAAAAAAAAAAAAAAAAAAAAAAAAAAAAAAAAAAAAAAAAAAAAAAAJ/f38AAAAAA8zMzADAwP8Af39/AAAAAAAAAAAAAAAAAAAAAAAAAAAAIQAAABgAAAAUAAAAwAMAABsnAAA/FQAAWSkAABAAAAAmAAAACAAAAAAAAAAAAAAA"/>
               </a:ext>
             </a:extLst>
           </p:cNvSpPr>
@@ -2416,7 +2417,7 @@
           <a:lstStyle/>
           <a:p>
             <a:pPr/>
-            <a:fld id="{0C3DA999-D7E1-685F-AF85-210AE7CB5974}" type="datetime1">
+            <a:fld id="{0CA79336-78E1-F265-AF1F-8E30DD5159DB}" type="datetime1">
               <a:t>12/16/2025</a:t>
             </a:fld>
           </a:p>
@@ -2429,7 +2430,7 @@
             <a:spLocks noGrp="1" noChangeArrowheads="1"/>
             <a:extLst>
               <a:ext uri="smNativeData">
-                <pr:smNativeData xmlns:pr="smNativeData" xmlns="smNativeData" val="SMDATA_15_D/RJaRMAAAAlAAAAZAAAAA0AAAAAkAAAAEgAAACQAAAASAAAAAAAAAABAAAAAAAAAAEAAABQAAAAAAAAAAAA4D8AAAAAAADgPwAAAAAAAOA/AAAAAAAA4D8AAAAAAADgPwAAAAAAAOA/AAAAAAAA4D8AAAAAAADgPwAAAAAAAOA/AAAAAAAA4D8CAAAAjAAAAAAAAAAAAAAAu+DjDP///wgAAAAAAAAAAAAAAAAAAAAAAAAAAAAAAAAAAAAAZAAAAAEAAABAAAAAAAAAAAAAAAAAAAAAAAAAAAAAAAAAAAAAAAAAAAAAAAAAAAAAAAAAAAAAAAAAAAAAAAAAAAAAAAAAAAAAAAAAAAAAAAAAAAAAAAAAAAAAAAAAAAAAFAAAADwAAAAAAAAAAAAAAAAAAAkUAAAAAQAAABQAAAAUAAAAFAAAAAEAAAAAAAAAZAAAAGQAAAAAAAAAZAAAAGQAAAAVAAAAYAAAAAAAAAAAAAAADwAAACADAAAAAAAAAAAAAAEAAACgMgAAVgcAAKr4//8BAAAAf39/AAEAAABkAAAAAAAAABQAAABAHwAAAAAAACYAAAAAAAAAwOD//wAAAAAmAAAAZAAAABYAAABMAAAAAAAAAAAAAAAEAAAAAAAAAAEAAACAgIAKAAAAACgAAAAoAAAAZAAAAGQAAAAAAAAAzMzMAAAAAABQAAAAUAAAAGQAAABkAAAAAAAAABcAAAAUAAAAAAAAAAAAAAD/fwAA/38AAAAAAAAJAAAABAAAAAAAAAAeAAAAaAAAAAAAAAAAAAAAAAAAAAAAAAAAAAAAECcAABAnAAAAAAAAAAAAAAAAAAAAAAAAAAAAAAAAAAAAAAAAAAAAABQAAAAAAAAAwMD/AAAAAABkAAAAMgAAAAAAAABkAAAAAAAAAH9/fwAKAAAAIgAAABgAAAAAAAAAAAAAAAAAAAAAAAAAAAAAAAAAAAAkAAAAJAAAAAAAAAAHAAAAAAAAAAAAAAAAAAAAAAAAAAAAAAAAAAAAf39/ACUAAABYAAAAAAAAAAAAAAAAAAAAAAAAAAAAAAAAAAAAAAAAAAAAAAAAAAAAAAAAAAAAAAA/AAAAAAAAAKCGAQAAAAAAAAAAAAAAAAAMAAAAAQAAAAAAAAAAAAAAAAAAAB8AAABUAAAAAAAABQAAAAEAAAAAAAAAAAAAAAAAAAAAAAAAAAAAAAAAAAAAAAAAAAAAAAJ/f38AAAAAA8zMzADAwP8Af39/AAAAAAAAAAAAAAAAAAAAAAAAAAAAIQAAABgAAAAUAAAAoRkAABsnAABfMQAAWSkAABAAAAAmAAAACAAAAAAAAAAAAAAA"/>
+                <pr:smNativeData xmlns:pr="smNativeData" xmlns="smNativeData" val="SMDATA_15_PhJKaRMAAAAlAAAAZAAAAA0AAAAAkAAAAEgAAACQAAAASAAAAAAAAAABAAAAAAAAAAEAAABQAAAAAAAAAAAA4D8AAAAAAADgPwAAAAAAAOA/AAAAAAAA4D8AAAAAAADgPwAAAAAAAOA/AAAAAAAA4D8AAAAAAADgPwAAAAAAAOA/AAAAAAAA4D8CAAAAjAAAAAAAAAAAAAAAu+DjDP///wgAAAAAAAAAAAAAAAAAAAAAAAAAAAAAAAAAAAAAZAAAAAEAAABAAAAAAAAAAAAAAAAAAAAAAAAAAAAAAAAAAAAAAAAAAAAAAAAAAAAAAAAAAAAAAAAAAAAAAAAAAAAAAAAAAAAAAAAAAAAAAAAAAAAAAAAAAAAAAAAAAAAAFAAAADwAAAAAAAAAAAAAAAAAAAkUAAAAAQAAABQAAAAUAAAAFAAAAAEAAAAAAAAAZAAAAGQAAAAAAAAAZAAAAGQAAAAVAAAAYAAAAAAAAAAAAAAADwAAACADAAAAAAAAAAAAAAEAAACgMgAAVgcAAKr4//8BAAAAf39/AAEAAABkAAAAAAAAABQAAABAHwAAAAAAACYAAAAAAAAAwOD//wAAAAAmAAAAZAAAABYAAABMAAAAAAAAAAAAAAAEAAAAAAAAAAEAAACAgIAKAAAAACgAAAAoAAAAZAAAAGQAAAAAAAAAzMzMAAAAAABQAAAAUAAAAGQAAABkAAAAAAAAABcAAAAUAAAAAAAAAAAAAAD/fwAA/38AAAAAAAAJAAAABAAAAAAAAAAeAAAAaAAAAAAAAAAAAAAAAAAAAAAAAAAAAAAAECcAABAnAAAAAAAAAAAAAAAAAAAAAAAAAAAAAAAAAAAAAAAAAAAAABQAAAAAAAAAwMD/AAAAAABkAAAAMgAAAAAAAABkAAAAAAAAAH9/fwAKAAAAIgAAABgAAAAAAAAAAAAAAAAAAAAAAAAAAAAAAAAAAAAkAAAAJAAAAAAAAAAHAAAAAAAAAAAAAAAAAAAAAAAAAAAAAAAAAAAAf39/ACUAAABYAAAAAAAAAAAAAAAAAAAAAAAAAAAAAAAAAAAAAAAAAAAAAAAAAAAAAAAAAAAAAAA/AAAAAAAAAKCGAQAAAAAAAAAAAAAAAAAMAAAAAQAAAAAAAAAAAAAAAAAAAB8AAABUAAAAAAAABQAAAAEAAAAAAAAAAAAAAAAAAAAAAAAAAAAAAAAAAAAAAAAAAAAAAAJ/f38AAAAAA8zMzADAwP8Af39/AAAAAAAAAAAAAAAAAAAAAAAAAAAAIQAAABgAAAAUAAAAoRkAABsnAABfMQAAWSkAABAAAAAmAAAACAAAAAAAAAAAAAAA"/>
               </a:ext>
             </a:extLst>
           </p:cNvSpPr>
@@ -2453,7 +2454,7 @@
             <a:spLocks noGrp="1" noChangeArrowheads="1"/>
             <a:extLst>
               <a:ext uri="smNativeData">
-                <pr:smNativeData xmlns:pr="smNativeData" xmlns="smNativeData" val="SMDATA_15_D/RJaRMAAAAlAAAAZAAAAA0AAAAAkAAAAEgAAACQAAAASAAAAAAAAAABAAAAAAAAAAEAAABQAAAAAAAAAAAA4D8AAAAAAADgPwAAAAAAAOA/AAAAAAAA4D8AAAAAAADgPwAAAAAAAOA/AAAAAAAA4D8AAAAAAADgPwAAAAAAAOA/AAAAAAAA4D8CAAAAjAAAAAAAAAAAAAAAu+DjDP///wgAAAAAAAAAAAAAAAAAAAAAAAAAAAAAAAAAAAAAZAAAAAEAAABAAAAAAAAAAAAAAAAAAAAAAAAAAAAAAAAAAAAAAAAAAAAAAAAAAAAAAAAAAAAAAAAAAAAAAAAAAAAAAAAAAAAAAAAAAAAAAAAAAAAAAAAAAAAAAAAAAAAAFAAAADwAAAAAAAAAAAAAAAAAAAkUAAAAAQAAABQAAAAUAAAAFAAAAAEAAAAAAAAAZAAAAGQAAAAAAAAAZAAAAGQAAAAVAAAAYAAAAAAAAAAAAAAADwAAACADAAAAAAAAAAAAAAEAAACgMgAAVgcAAKr4//8BAAAAf39/AAEAAABkAAAAAAAAABQAAABAHwAAAAAAACYAAAAAAAAAwOD//wAAAAAmAAAAZAAAABYAAABMAAAAAAAAAAAAAAAEAAAAAAAAAAEAAACAgIAKAAAAACgAAAAoAAAAZAAAAGQAAAAAAAAAzMzMAAAAAABQAAAAUAAAAGQAAABkAAAAAAAAABcAAAAUAAAAAAAAAAAAAAD/fwAA/38AAAAAAAAJAAAABAAAAAAAAAAeAAAAaAAAAAAAAAAAAAAAAAAAAAAAAAAAAAAAECcAABAnAAAAAAAAAAAAAAAAAAAAAAAAAAAAAAAAAAAAAAAAAAAAABQAAAAAAAAAwMD/AAAAAABkAAAAMgAAAAAAAABkAAAAAAAAAH9/fwAKAAAAIgAAABgAAAAAAAAAAAAAAAAAAAAAAAAAAAAAAAAAAAAkAAAAJAAAAAAAAAAHAAAAAAAAAAAAAAAAAAAAAAAAAAAAAAAAAAAAf39/ACUAAABYAAAAAAAAAAAAAAAAAAAAAAAAAAAAAAAAAAAAAAAAAAAAAAAAAAAAAAAAAAAAAAA/AAAAAAAAAKCGAQAAAAAAAAAAAAAAAAAMAAAAAQAAAAAAAAAAAAAAAAAAAB8AAABUAAAAAAAABQAAAAEAAAAAAAAAAAAAAAAAAAAAAAAAAAAAAAAAAAAAAAAAAAAAAAJ/f38AAAAAA8zMzADAwP8Af39/AAAAAAAAAAAAAAAAAAAAAAAAAAAAIQAAABgAAAAUAAAAwTUAABsnAABARwAAWSkAABAAAAAmAAAACAAAAAAAAAAAAAAA"/>
+                <pr:smNativeData xmlns:pr="smNativeData" xmlns="smNativeData" val="SMDATA_15_PhJKaRMAAAAlAAAAZAAAAA0AAAAAkAAAAEgAAACQAAAASAAAAAAAAAABAAAAAAAAAAEAAABQAAAAAAAAAAAA4D8AAAAAAADgPwAAAAAAAOA/AAAAAAAA4D8AAAAAAADgPwAAAAAAAOA/AAAAAAAA4D8AAAAAAADgPwAAAAAAAOA/AAAAAAAA4D8CAAAAjAAAAAAAAAAAAAAAu+DjDP///wgAAAAAAAAAAAAAAAAAAAAAAAAAAAAAAAAAAAAAZAAAAAEAAABAAAAAAAAAAAAAAAAAAAAAAAAAAAAAAAAAAAAAAAAAAAAAAAAAAAAAAAAAAAAAAAAAAAAAAAAAAAAAAAAAAAAAAAAAAAAAAAAAAAAAAAAAAAAAAAAAAAAAFAAAADwAAAAAAAAAAAAAAAAAAAkUAAAAAQAAABQAAAAUAAAAFAAAAAEAAAAAAAAAZAAAAGQAAAAAAAAAZAAAAGQAAAAVAAAAYAAAAAAAAAAAAAAADwAAACADAAAAAAAAAAAAAAEAAACgMgAAVgcAAKr4//8BAAAAf39/AAEAAABkAAAAAAAAABQAAABAHwAAAAAAACYAAAAAAAAAwOD//wAAAAAmAAAAZAAAABYAAABMAAAAAAAAAAAAAAAEAAAAAAAAAAEAAACAgIAKAAAAACgAAAAoAAAAZAAAAGQAAAAAAAAAzMzMAAAAAABQAAAAUAAAAGQAAABkAAAAAAAAABcAAAAUAAAAAAAAAAAAAAD/fwAA/38AAAAAAAAJAAAABAAAAAAAAAAeAAAAaAAAAAAAAAAAAAAAAAAAAAAAAAAAAAAAECcAABAnAAAAAAAAAAAAAAAAAAAAAAAAAAAAAAAAAAAAAAAAAAAAABQAAAAAAAAAwMD/AAAAAABkAAAAMgAAAAAAAABkAAAAAAAAAH9/fwAKAAAAIgAAABgAAAAAAAAAAAAAAAAAAAAAAAAAAAAAAAAAAAAkAAAAJAAAAAAAAAAHAAAAAAAAAAAAAAAAAAAAAAAAAAAAAAAAAAAAf39/ACUAAABYAAAAAAAAAAAAAAAAAAAAAAAAAAAAAAAAAAAAAAAAAAAAAAAAAAAAAAAAAAAAAAA/AAAAAAAAAKCGAQAAAAAAAAAAAAAAAAAMAAAAAQAAAAAAAAAAAAAAAAAAAB8AAABUAAAAAAAABQAAAAEAAAAAAAAAAAAAAAAAAAAAAAAAAAAAAAAAAAAAAAAAAAAAAAJ/f38AAAAAA8zMzADAwP8Af39/AAAAAAAAAAAAAAAAAAAAAAAAAAAAIQAAABgAAAAUAAAAwTUAABsnAABARwAAWSkAABAAAAAmAAAACAAAAAAAAAAAAAAA"/>
               </a:ext>
             </a:extLst>
           </p:cNvSpPr>
@@ -2467,7 +2468,7 @@
           <a:lstStyle/>
           <a:p>
             <a:pPr/>
-            <a:fld id="{0C3DC821-6FE1-683E-AF85-996B86CB59CC}" type="slidenum">
+            <a:fld id="{0CA7D805-4BE1-F22E-AF1F-BD7B965159E8}" type="slidenum">
               <a:t>‹#›</a:t>
             </a:fld>
           </a:p>
@@ -2506,7 +2507,7 @@
             <a:spLocks noGrp="1" noChangeArrowheads="1"/>
             <a:extLst>
               <a:ext uri="smNativeData">
-                <pr:smNativeData xmlns:pr="smNativeData" xmlns="smNativeData" val="SMDATA_15_D/RJaRMAAAAlAAAAZAAAAA0AAAAAkAAAAEgAAACQAAAASAAAAAAAAAACAAAAAAAAAAEAAABQAAAAAAAAAAAA4D8AAAAAAADgPwAAAAAAAOA/AAAAAAAA4D8AAAAAAADgPwAAAAAAAOA/AAAAAAAA4D8AAAAAAADgPwAAAAAAAOA/AAAAAAAA4D8CAAAAjAAAAAAAAAAAAAAAu+DjDP///wgAAAAAAAAAAAAAAAAAAAAAAAAAAAAAAAAAAAAAZAAAAAEAAABAAAAAAAAAAAAAAAAAAAAAAAAAAAAAAAAAAAAAAAAAAAAAAAAAAAAAAAAAAAAAAAAAAAAAAAAAAAAAAAAAAAAAAAAAAAAAAAAAAAAAAAAAAAAAAAAAAAAAFAAAADwAAAAAAAAAAAAAAAAAAAkUAAAAAQAAABQAAAAUAAAAFAAAAAEAAAAAAAAAZAAAAGQAAAAAAAAAZAAAAGQAAAAVAAAAYAAAAAAAAAAAAAAADwAAACADAAAAAAAAAAAAAAEAAACgMgAAVgcAAKr4//8BAAAAf39/AAEAAABkAAAAAAAAABQAAABAHwAAAAAAACYAAAAAAAAAwOD//wAAAAAmAAAAZAAAABYAAABMAAAAAAAAAAAAAAAEAAAAAAAAAAEAAACAgIAKAAAAACgAAAAoAAAAZAAAAGQAAAAAAAAAzMzMAAAAAABQAAAAUAAAAGQAAABkAAAAAAAAABcAAAAUAAAAAAAAAAAAAAD/fwAA/38AAAAAAAAJAAAABAAAAAAAAAAeAAAAaAAAAAAAAAAAAAAAAAAAAAAAAAAAAAAAECcAABAnAAAAAAAAAAAAAAAAAAAAAAAAAAAAAAAAAAAAAAAAAAAAABQAAAAAAAAAwMD/AAAAAABkAAAAMgAAAAAAAABkAAAAAAAAAH9/fwAKAAAAIgAAABgAAAAAAAAAAAAAAAAAAAAAAAAAAAAAAAAAAAAkAAAAJAAAAAAAAAAHAAAAAAAAAAAAAAAAAAAAAAAAAAAAAAAAAAAAf39/ACUAAABYAAAAAAAAAAAAAAAAAAAAAAAAAAAAAAAAAAAAAAAAAAAAAAAAAAAAAAAAAAAAAAA/AAAAAAAAAKCGAQAAAAAAAAAAAAAAAAAMAAAAAQAAAAAAAAAAAAAAAAAAAB8AAABUAAAAAAAABQAAAAEAAAAAAAAAAAAAAAAAAAAAAAAAAAAAAAAAAAAAAAAAAAAAAAJ/f38AAAAAA8zMzADAwP8Af39/AAAAAAAAAAAAAAAAAAAAAAAAAAAAIQAAABgAAAAUAAAAsw4AAIgdAACzOwAABCEAABAAAAAmAAAACAAAAIGQAAAAAAAA"/>
+                <pr:smNativeData xmlns:pr="smNativeData" xmlns="smNativeData" val="SMDATA_15_PhJKaRMAAAAlAAAAZAAAAA0AAAAAkAAAAEgAAACQAAAASAAAAAAAAAACAAAAAAAAAAEAAABQAAAAAAAAAAAA4D8AAAAAAADgPwAAAAAAAOA/AAAAAAAA4D8AAAAAAADgPwAAAAAAAOA/AAAAAAAA4D8AAAAAAADgPwAAAAAAAOA/AAAAAAAA4D8CAAAAjAAAAAAAAAAAAAAAu+DjDP///wgAAAAAAAAAAAAAAAAAAAAAAAAAAAAAAAAAAAAAZAAAAAEAAABAAAAAAAAAAAAAAAAAAAAAAAAAAAAAAAAAAAAAAAAAAAAAAAAAAAAAAAAAAAAAAAAAAAAAAAAAAAAAAAAAAAAAAAAAAAAAAAAAAAAAAAAAAAAAAAAAAAAAFAAAADwAAAAAAAAAAAAAAAAAAAkUAAAAAQAAABQAAAAUAAAAFAAAAAEAAAAAAAAAZAAAAGQAAAAAAAAAZAAAAGQAAAAVAAAAYAAAAAAAAAAAAAAADwAAACADAAAAAAAAAAAAAAEAAACgMgAAVgcAAKr4//8BAAAAf39/AAEAAABkAAAAAAAAABQAAABAHwAAAAAAACYAAAAAAAAAwOD//wAAAAAmAAAAZAAAABYAAABMAAAAAAAAAAAAAAAEAAAAAAAAAAEAAACAgIAKAAAAACgAAAAoAAAAZAAAAGQAAAAAAAAAzMzMAAAAAABQAAAAUAAAAGQAAABkAAAAAAAAABcAAAAUAAAAAAAAAAAAAAD/fwAA/38AAAAAAAAJAAAABAAAAAAAAAAeAAAAaAAAAAAAAAAAAAAAAAAAAAAAAAAAAAAAECcAABAnAAAAAAAAAAAAAAAAAAAAAAAAAAAAAAAAAAAAAAAAAAAAABQAAAAAAAAAwMD/AAAAAABkAAAAMgAAAAAAAABkAAAAAAAAAH9/fwAKAAAAIgAAABgAAAAAAAAAAAAAAAAAAAAAAAAAAAAAAAAAAAAkAAAAJAAAAAAAAAAHAAAAAAAAAAAAAAAAAAAAAAAAAAAAAAAAAAAAf39/ACUAAABYAAAAAAAAAAAAAAAAAAAAAAAAAAAAAAAAAAAAAAAAAAAAAAAAAAAAAAAAAAAAAAA/AAAAAAAAAKCGAQAAAAAAAAAAAAAAAAAMAAAAAQAAAAAAAAAAAAAAAAAAAB8AAABUAAAAAAAABQAAAAEAAAAAAAAAAAAAAAAAAAAAAAAAAAAAAAAAAAAAAAAAAAAAAAJ/f38AAAAAA8zMzADAwP8Af39/AAAAAAAAAAAAAAAAAAAAAAAAAAAAIQAAABgAAAAUAAAAsw4AAIgdAACzOwAABCEAABAAAAAmAAAACAAAAIGQAAAAAAAA"/>
               </a:ext>
             </a:extLst>
           </p:cNvSpPr>
@@ -2546,7 +2547,7 @@
             <a:spLocks noGrp="1" noChangeArrowheads="1"/>
             <a:extLst>
               <a:ext uri="smNativeData">
-                <pr:smNativeData xmlns:pr="smNativeData" xmlns="smNativeData" val="SMDATA_15_D/RJaRMAAAAlAAAAZAAAAA0AAAAAkAAAAEgAAACQAAAASAAAAAAAAAAAAAAAAAAAAAEAAABQAAAAAAAAAAAA4D8AAAAAAADgPwAAAAAAAOA/AAAAAAAA4D8AAAAAAADgPwAAAAAAAOA/AAAAAAAA4D8AAAAAAADgPwAAAAAAAOA/AAAAAAAA4D8CAAAAjAAAAAAAAAAAAAAAu+DjDP///wgAAAAAAAAAAAAAAAAAAAAAAAAAAAAAAAAAAAAAZAAAAAEAAABAAAAAAAAAAAAAAAAAAAAAAAAAAAAAAAAAAAAAAAAAAAAAAAAAAAAAAAAAAAAAAAAAAAAAAAAAAAAAAAAAAAAAAAAAAAAAAAAAAAAAAAAAAAAAAAAAAAAAFAAAADwAAAAAAAAAAAAAAAAAAAkUAAAAAQAAABQAAAAUAAAAFAAAAAEAAAAAAAAAZAAAAGQAAAAAAAAAZAAAAGQAAAAVAAAAYAAAAAAAAAAAAAAADwAAACADAAAAAAAAAAAAAAEAAACgMgAAVgcAAKr4//8BAAAAf39/AAEAAABkAAAAAAAAABQAAABAHwAAAAAAACYAAAAAAAAAwOD//wAAAAAmAAAAZAAAABYAAABMAAAAAAAAAAAAAAAEAAAAAAAAAAEAAACAgIAKAAAAACgAAAAoAAAAZAAAAGQAAAAAAAAAzMzMAAAAAABQAAAAUAAAAGQAAABkAAAAAAAAABcAAAAUAAAAAAAAAAAAAAD/fwAA/38AAAAAAAAJAAAABAAAAAAAAAAeAAAAaAAAAAAAAAAAAAAAAAAAAAAAAAAAAAAAECcAABAnAAAAAAAAAAAAAAAAAAAAAAAAAAAAAAAAAAAAAAAAAAAAABQAAAAAAAAAwMD/AAAAAABkAAAAMgAAAAAAAABkAAAAAAAAAH9/fwAKAAAAIgAAABgAAAAAAAAAAAAAAAAAAAAAAAAAAAAAAAAAAAAkAAAAJAAAAAAAAAAHAAAAAAAAAAAAAAAAAAAAAAAAAAAAAAAAAAAAf39/ACUAAABYAAAAAAAAAAAAAAAAAAAAAAAAAAAAAAAAAAAAAAAAAAAAAAAAAAAAAAAAAAAAAAA/AAAAAAAAAKCGAQAAAAAAAAAAAAAAAAAMAAAAAQAAAAAAAAAAAAAAAAAAAB8AAABUAAAAAAAABQAAAAEAAAAAAAAAAAAAAAAAAAAAAAAAAAAAAAAAAAAAAAAAAAAAAAJ/f38AAAAAA8zMzADAwP8Af39/AAAAAAAAAAAAAAAAAAAAAAAAAAAAIQAAABgAAAAUAAAAsw4AAMYDAACzOwAAFh0AABAAAAAmAAAACAAAAAGAAAAAAAAA"/>
+                <pr:smNativeData xmlns:pr="smNativeData" xmlns="smNativeData" val="SMDATA_15_PhJKaRMAAAAlAAAAZAAAAA0AAAAAkAAAAEgAAACQAAAASAAAAAAAAAAAAAAAAAAAAAEAAABQAAAAAAAAAAAA4D8AAAAAAADgPwAAAAAAAOA/AAAAAAAA4D8AAAAAAADgPwAAAAAAAOA/AAAAAAAA4D8AAAAAAADgPwAAAAAAAOA/AAAAAAAA4D8CAAAAjAAAAAAAAAAAAAAAu+DjDP///wgAAAAAAAAAAAAAAAAAAAAAAAAAAAAAAAAAAAAAZAAAAAEAAABAAAAAAAAAAAAAAAAAAAAAAAAAAAAAAAAAAAAAAAAAAAAAAAAAAAAAAAAAAAAAAAAAAAAAAAAAAAAAAAAAAAAAAAAAAAAAAAAAAAAAAAAAAAAAAAAAAAAAFAAAADwAAAAAAAAAAAAAAAAAAAkUAAAAAQAAABQAAAAUAAAAFAAAAAEAAAAAAAAAZAAAAGQAAAAAAAAAZAAAAGQAAAAVAAAAYAAAAAAAAAAAAAAADwAAACADAAAAAAAAAAAAAAEAAACgMgAAVgcAAKr4//8BAAAAf39/AAEAAABkAAAAAAAAABQAAABAHwAAAAAAACYAAAAAAAAAwOD//wAAAAAmAAAAZAAAABYAAABMAAAAAAAAAAAAAAAEAAAAAAAAAAEAAACAgIAKAAAAACgAAAAoAAAAZAAAAGQAAAAAAAAAzMzMAAAAAABQAAAAUAAAAGQAAABkAAAAAAAAABcAAAAUAAAAAAAAAAAAAAD/fwAA/38AAAAAAAAJAAAABAAAAAAAAAAeAAAAaAAAAAAAAAAAAAAAAAAAAAAAAAAAAAAAECcAABAnAAAAAAAAAAAAAAAAAAAAAAAAAAAAAAAAAAAAAAAAAAAAABQAAAAAAAAAwMD/AAAAAABkAAAAMgAAAAAAAABkAAAAAAAAAH9/fwAKAAAAIgAAABgAAAAAAAAAAAAAAAAAAAAAAAAAAAAAAAAAAAAkAAAAJAAAAAAAAAAHAAAAAAAAAAAAAAAAAAAAAAAAAAAAAAAAAAAAf39/ACUAAABYAAAAAAAAAAAAAAAAAAAAAAAAAAAAAAAAAAAAAAAAAAAAAAAAAAAAAAAAAAAAAAA/AAAAAAAAAKCGAQAAAAAAAAAAAAAAAAAMAAAAAQAAAAAAAAAAAAAAAAAAAB8AAABUAAAAAAAABQAAAAEAAAAAAAAAAAAAAAAAAAAAAAAAAAAAAAAAAAAAAAAAAAAAAAJ/f38AAAAAA8zMzADAwP8Af39/AAAAAAAAAAAAAAAAAAAAAAAAAAAAIQAAABgAAAAUAAAAsw4AAMYDAACzOwAAFh0AABAAAAAmAAAACAAAAAGAAAAAAAAA"/>
               </a:ext>
             </a:extLst>
           </p:cNvSpPr>
@@ -2615,7 +2616,7 @@
             <a:spLocks noGrp="1" noChangeArrowheads="1"/>
             <a:extLst>
               <a:ext uri="smNativeData">
-                <pr:smNativeData xmlns:pr="smNativeData" xmlns="smNativeData" val="SMDATA_15_D/RJaRMAAAAlAAAAZAAAAA0AAAAAkAAAAEgAAACQAAAASAAAAAAAAAAAAAAAAAAAAAEAAABQAAAAAAAAAAAA4D8AAAAAAADgPwAAAAAAAOA/AAAAAAAA4D8AAAAAAADgPwAAAAAAAOA/AAAAAAAA4D8AAAAAAADgPwAAAAAAAOA/AAAAAAAA4D8CAAAAjAAAAAAAAAAAAAAAu+DjDP///wgAAAAAAAAAAAAAAAAAAAAAAAAAAAAAAAAAAAAAZAAAAAEAAABAAAAAAAAAAAAAAAAAAAAAAAAAAAAAAAAAAAAAAAAAAAAAAAAAAAAAAAAAAAAAAAAAAAAAAAAAAAAAAAAAAAAAAAAAAAAAAAAAAAAAAAAAAAAAAAAAAAAAFAAAADwAAAAAAAAAAAAAAAAAAAkUAAAAAQAAABQAAAAUAAAAFAAAAAEAAAAAAAAAZAAAAGQAAAAAAAAAZAAAAGQAAAAVAAAAYAAAAAAAAAAAAAAADwAAACADAAAAAAAAAAAAAAEAAACgMgAAVgcAAKr4//8BAAAAf39/AAEAAABkAAAAAAAAABQAAABAHwAAAAAAACYAAAAAAAAAwOD//wAAAAAmAAAAZAAAABYAAABMAAAAAAAAAAAAAAAEAAAAAAAAAAEAAACAgIAKAAAAACgAAAAoAAAAZAAAAGQAAAAAAAAAzMzMAAAAAABQAAAAUAAAAGQAAABkAAAAAAAAABcAAAAUAAAAAAAAAAAAAAD/fwAA/38AAAAAAAAJAAAABAAAAAAAAAAeAAAAaAAAAAAAAAAAAAAAAAAAAAAAAAAAAAAAECcAABAnAAAAAAAAAAAAAAAAAAAAAAAAAAAAAAAAAAAAAAAAAAAAABQAAAAAAAAAwMD/AAAAAABkAAAAMgAAAAAAAABkAAAAAAAAAH9/fwAKAAAAIgAAABgAAAAAAAAAAAAAAAAAAAAAAAAAAAAAAAAAAAAkAAAAJAAAAAAAAAAHAAAAAAAAAAAAAAAAAAAAAAAAAAAAAAAAAAAAf39/ACUAAABYAAAAAAAAAAAAAAAAAAAAAAAAAAAAAAAAAAAAAAAAAAAAAAAAAAAAAAAAAAAAAAA/AAAAAAAAAKCGAQAAAAAAAAAAAAAAAAAMAAAAAQAAAAAAAAAAAAAAAAAAAB8AAABUAAAAAAAABQAAAAEAAAAAAAAAAAAAAAAAAAAAAAAAAAAAAAAAAAAAAAAAAAAAAAJ/f38AAAAAA8zMzADAwP8Af39/AAAAAAAAAAAAAAAAAAAAAAAAAAAAIQAAABgAAAAUAAAAsw4AAAQhAACzOwAA+CUAABAAAAAmAAAACAAAAAGAAAAAAAAA"/>
+                <pr:smNativeData xmlns:pr="smNativeData" xmlns="smNativeData" val="SMDATA_15_PhJKaRMAAAAlAAAAZAAAAA0AAAAAkAAAAEgAAACQAAAASAAAAAAAAAAAAAAAAAAAAAEAAABQAAAAAAAAAAAA4D8AAAAAAADgPwAAAAAAAOA/AAAAAAAA4D8AAAAAAADgPwAAAAAAAOA/AAAAAAAA4D8AAAAAAADgPwAAAAAAAOA/AAAAAAAA4D8CAAAAjAAAAAAAAAAAAAAAu+DjDP///wgAAAAAAAAAAAAAAAAAAAAAAAAAAAAAAAAAAAAAZAAAAAEAAABAAAAAAAAAAAAAAAAAAAAAAAAAAAAAAAAAAAAAAAAAAAAAAAAAAAAAAAAAAAAAAAAAAAAAAAAAAAAAAAAAAAAAAAAAAAAAAAAAAAAAAAAAAAAAAAAAAAAAFAAAADwAAAAAAAAAAAAAAAAAAAkUAAAAAQAAABQAAAAUAAAAFAAAAAEAAAAAAAAAZAAAAGQAAAAAAAAAZAAAAGQAAAAVAAAAYAAAAAAAAAAAAAAADwAAACADAAAAAAAAAAAAAAEAAACgMgAAVgcAAKr4//8BAAAAf39/AAEAAABkAAAAAAAAABQAAABAHwAAAAAAACYAAAAAAAAAwOD//wAAAAAmAAAAZAAAABYAAABMAAAAAAAAAAAAAAAEAAAAAAAAAAEAAACAgIAKAAAAACgAAAAoAAAAZAAAAGQAAAAAAAAAzMzMAAAAAABQAAAAUAAAAGQAAABkAAAAAAAAABcAAAAUAAAAAAAAAAAAAAD/fwAA/38AAAAAAAAJAAAABAAAAAAAAAAeAAAAaAAAAAAAAAAAAAAAAAAAAAAAAAAAAAAAECcAABAnAAAAAAAAAAAAAAAAAAAAAAAAAAAAAAAAAAAAAAAAAAAAABQAAAAAAAAAwMD/AAAAAABkAAAAMgAAAAAAAABkAAAAAAAAAH9/fwAKAAAAIgAAABgAAAAAAAAAAAAAAAAAAAAAAAAAAAAAAAAAAAAkAAAAJAAAAAAAAAAHAAAAAAAAAAAAAAAAAAAAAAAAAAAAAAAAAAAAf39/ACUAAABYAAAAAAAAAAAAAAAAAAAAAAAAAAAAAAAAAAAAAAAAAAAAAAAAAAAAAAAAAAAAAAA/AAAAAAAAAKCGAQAAAAAAAAAAAAAAAAAMAAAAAQAAAAAAAAAAAAAAAAAAAB8AAABUAAAAAAAABQAAAAEAAAAAAAAAAAAAAAAAAAAAAAAAAAAAAAAAAAAAAAAAAAAAAAJ/f38AAAAAA8zMzADAwP8Af39/AAAAAAAAAAAAAAAAAAAAAAAAAAAAIQAAABgAAAAUAAAAsw4AAAQhAACzOwAA+CUAABAAAAAmAAAACAAAAAGAAAAAAAAA"/>
               </a:ext>
             </a:extLst>
           </p:cNvSpPr>
@@ -2684,7 +2685,7 @@
             <a:spLocks noGrp="1" noChangeArrowheads="1"/>
             <a:extLst>
               <a:ext uri="smNativeData">
-                <pr:smNativeData xmlns:pr="smNativeData" xmlns="smNativeData" val="SMDATA_15_D/RJaRMAAAAlAAAAZAAAAA0AAAAAkAAAAEgAAACQAAAASAAAAAAAAAABAAAAAAAAAAEAAABQAAAAAAAAAAAA4D8AAAAAAADgPwAAAAAAAOA/AAAAAAAA4D8AAAAAAADgPwAAAAAAAOA/AAAAAAAA4D8AAAAAAADgPwAAAAAAAOA/AAAAAAAA4D8CAAAAjAAAAAAAAAAAAAAAu+DjDP///wgAAAAAAAAAAAAAAAAAAAAAAAAAAAAAAAAAAAAAZAAAAAEAAABAAAAAAAAAAAAAAAAAAAAAAAAAAAAAAAAAAAAAAAAAAAAAAAAAAAAAAAAAAAAAAAAAAAAAAAAAAAAAAAAAAAAAAAAAAAAAAAAAAAAAAAAAAAAAAAAAAAAAFAAAADwAAAAAAAAAAAAAAAAAAAkUAAAAAQAAABQAAAAUAAAAFAAAAAEAAAAAAAAAZAAAAGQAAAAAAAAAZAAAAGQAAAAVAAAAYAAAAAAAAAAAAAAADwAAACADAAAAAAAAAAAAAAEAAACgMgAAVgcAAKr4//8BAAAAf39/AAEAAABkAAAAAAAAABQAAABAHwAAAAAAACYAAAAAAAAAwOD//wAAAAAmAAAAZAAAABYAAABMAAAAAAAAAAAAAAAEAAAAAAAAAAEAAACAgIAKAAAAACgAAAAoAAAAZAAAAGQAAAAAAAAAzMzMAAAAAABQAAAAUAAAAGQAAABkAAAAAAAAABcAAAAUAAAAAAAAAAAAAAD/fwAA/38AAAAAAAAJAAAABAAAAAAAAAAeAAAAaAAAAAAAAAAAAAAAAAAAAAAAAAAAAAAAECcAABAnAAAAAAAAAAAAAAAAAAAAAAAAAAAAAAAAAAAAAAAAAAAAABQAAAAAAAAAwMD/AAAAAABkAAAAMgAAAAAAAABkAAAAAAAAAH9/fwAKAAAAIgAAABgAAAAAAAAAAAAAAAAAAAAAAAAAAAAAAAAAAAAkAAAAJAAAAAAAAAAHAAAAAAAAAAAAAAAAAAAAAAAAAAAAAAAAAAAAf39/ACUAAABYAAAAAAAAAAAAAAAAAAAAAAAAAAAAAAAAAAAAAAAAAAAAAAAAAAAAAAAAAAAAAAA/AAAAAAAAAKCGAQAAAAAAAAAAAAAAAAAMAAAAAQAAAAAAAAAAAAAAAAAAAB8AAABUAAAAAAAABQAAAAEAAAAAAAAAAAAAAAAAAAAAAAAAAAAAAAAAAAAAAAAAAAAAAAJ/f38AAAAAA8zMzADAwP8Af39/AAAAAAAAAAAAAAAAAAAAAAAAAAAAIQAAABgAAAAUAAAAwAMAABsnAAA/FQAAWSkAABAAAAAmAAAACAAAAAAAAAAAAAAA"/>
+                <pr:smNativeData xmlns:pr="smNativeData" xmlns="smNativeData" val="SMDATA_15_PhJKaRMAAAAlAAAAZAAAAA0AAAAAkAAAAEgAAACQAAAASAAAAAAAAAABAAAAAAAAAAEAAABQAAAAAAAAAAAA4D8AAAAAAADgPwAAAAAAAOA/AAAAAAAA4D8AAAAAAADgPwAAAAAAAOA/AAAAAAAA4D8AAAAAAADgPwAAAAAAAOA/AAAAAAAA4D8CAAAAjAAAAAAAAAAAAAAAu+DjDP///wgAAAAAAAAAAAAAAAAAAAAAAAAAAAAAAAAAAAAAZAAAAAEAAABAAAAAAAAAAAAAAAAAAAAAAAAAAAAAAAAAAAAAAAAAAAAAAAAAAAAAAAAAAAAAAAAAAAAAAAAAAAAAAAAAAAAAAAAAAAAAAAAAAAAAAAAAAAAAAAAAAAAAFAAAADwAAAAAAAAAAAAAAAAAAAkUAAAAAQAAABQAAAAUAAAAFAAAAAEAAAAAAAAAZAAAAGQAAAAAAAAAZAAAAGQAAAAVAAAAYAAAAAAAAAAAAAAADwAAACADAAAAAAAAAAAAAAEAAACgMgAAVgcAAKr4//8BAAAAf39/AAEAAABkAAAAAAAAABQAAABAHwAAAAAAACYAAAAAAAAAwOD//wAAAAAmAAAAZAAAABYAAABMAAAAAAAAAAAAAAAEAAAAAAAAAAEAAACAgIAKAAAAACgAAAAoAAAAZAAAAGQAAAAAAAAAzMzMAAAAAABQAAAAUAAAAGQAAABkAAAAAAAAABcAAAAUAAAAAAAAAAAAAAD/fwAA/38AAAAAAAAJAAAABAAAAAAAAAAeAAAAaAAAAAAAAAAAAAAAAAAAAAAAAAAAAAAAECcAABAnAAAAAAAAAAAAAAAAAAAAAAAAAAAAAAAAAAAAAAAAAAAAABQAAAAAAAAAwMD/AAAAAABkAAAAMgAAAAAAAABkAAAAAAAAAH9/fwAKAAAAIgAAABgAAAAAAAAAAAAAAAAAAAAAAAAAAAAAAAAAAAAkAAAAJAAAAAAAAAAHAAAAAAAAAAAAAAAAAAAAAAAAAAAAAAAAAAAAf39/ACUAAABYAAAAAAAAAAAAAAAAAAAAAAAAAAAAAAAAAAAAAAAAAAAAAAAAAAAAAAAAAAAAAAA/AAAAAAAAAKCGAQAAAAAAAAAAAAAAAAAMAAAAAQAAAAAAAAAAAAAAAAAAAB8AAABUAAAAAAAABQAAAAEAAAAAAAAAAAAAAAAAAAAAAAAAAAAAAAAAAAAAAAAAAAAAAAJ/f38AAAAAA8zMzADAwP8Af39/AAAAAAAAAAAAAAAAAAAAAAAAAAAAIQAAABgAAAAUAAAAwAMAABsnAAA/FQAAWSkAABAAAAAmAAAACAAAAAAAAAAAAAAA"/>
               </a:ext>
             </a:extLst>
           </p:cNvSpPr>
@@ -2698,7 +2699,7 @@
           <a:lstStyle/>
           <a:p>
             <a:pPr/>
-            <a:fld id="{0C3DB2B6-F8E1-6844-AF85-0E11FCCB595B}" type="datetime1">
+            <a:fld id="{0CA7E338-76E1-F215-AF1F-8040AD5159D5}" type="datetime1">
               <a:t>12/16/2025</a:t>
             </a:fld>
           </a:p>
@@ -2711,7 +2712,7 @@
             <a:spLocks noGrp="1" noChangeArrowheads="1"/>
             <a:extLst>
               <a:ext uri="smNativeData">
-                <pr:smNativeData xmlns:pr="smNativeData" xmlns="smNativeData" val="SMDATA_15_D/RJaRMAAAAlAAAAZAAAAA0AAAAAkAAAAEgAAACQAAAASAAAAAAAAAABAAAAAAAAAAEAAABQAAAAAAAAAAAA4D8AAAAAAADgPwAAAAAAAOA/AAAAAAAA4D8AAAAAAADgPwAAAAAAAOA/AAAAAAAA4D8AAAAAAADgPwAAAAAAAOA/AAAAAAAA4D8CAAAAjAAAAAAAAAAAAAAAu+DjDP///wgAAAAAAAAAAAAAAAAAAAAAAAAAAAAAAAAAAAAAZAAAAAEAAABAAAAAAAAAAAAAAAAAAAAAAAAAAAAAAAAAAAAAAAAAAAAAAAAAAAAAAAAAAAAAAAAAAAAAAAAAAAAAAAAAAAAAAAAAAAAAAAAAAAAAAAAAAAAAAAAAAAAAFAAAADwAAAAAAAAAAAAAAAAAAAkUAAAAAQAAABQAAAAUAAAAFAAAAAEAAAAAAAAAZAAAAGQAAAAAAAAAZAAAAGQAAAAVAAAAYAAAAAAAAAAAAAAADwAAACADAAAAAAAAAAAAAAEAAACgMgAAVgcAAKr4//8BAAAAf39/AAEAAABkAAAAAAAAABQAAABAHwAAAAAAACYAAAAAAAAAwOD//wAAAAAmAAAAZAAAABYAAABMAAAAAAAAAAAAAAAEAAAAAAAAAAEAAACAgIAKAAAAACgAAAAoAAAAZAAAAGQAAAAAAAAAzMzMAAAAAABQAAAAUAAAAGQAAABkAAAAAAAAABcAAAAUAAAAAAAAAAAAAAD/fwAA/38AAAAAAAAJAAAABAAAAAAAAAAeAAAAaAAAAAAAAAAAAAAAAAAAAAAAAAAAAAAAECcAABAnAAAAAAAAAAAAAAAAAAAAAAAAAAAAAAAAAAAAAAAAAAAAABQAAAAAAAAAwMD/AAAAAABkAAAAMgAAAAAAAABkAAAAAAAAAH9/fwAKAAAAIgAAABgAAAAAAAAAAAAAAAAAAAAAAAAAAAAAAAAAAAAkAAAAJAAAAAAAAAAHAAAAAAAAAAAAAAAAAAAAAAAAAAAAAAAAAAAAf39/ACUAAABYAAAAAAAAAAAAAAAAAAAAAAAAAAAAAAAAAAAAAAAAAAAAAAAAAAAAAAAAAAAAAAA/AAAAAAAAAKCGAQAAAAAAAAAAAAAAAAAMAAAAAQAAAAAAAAAAAAAAAAAAAB8AAABUAAAAAAAABQAAAAEAAAAAAAAAAAAAAAAAAAAAAAAAAAAAAAAAAAAAAAAAAAAAAAJ/f38AAAAAA8zMzADAwP8Af39/AAAAAAAAAAAAAAAAAAAAAAAAAAAAIQAAABgAAAAUAAAAoRkAABsnAABfMQAAWSkAABAAAAAmAAAACAAAAAAAAAAAAAAA"/>
+                <pr:smNativeData xmlns:pr="smNativeData" xmlns="smNativeData" val="SMDATA_15_PhJKaRMAAAAlAAAAZAAAAA0AAAAAkAAAAEgAAACQAAAASAAAAAAAAAABAAAAAAAAAAEAAABQAAAAAAAAAAAA4D8AAAAAAADgPwAAAAAAAOA/AAAAAAAA4D8AAAAAAADgPwAAAAAAAOA/AAAAAAAA4D8AAAAAAADgPwAAAAAAAOA/AAAAAAAA4D8CAAAAjAAAAAAAAAAAAAAAu+DjDP///wgAAAAAAAAAAAAAAAAAAAAAAAAAAAAAAAAAAAAAZAAAAAEAAABAAAAAAAAAAAAAAAAAAAAAAAAAAAAAAAAAAAAAAAAAAAAAAAAAAAAAAAAAAAAAAAAAAAAAAAAAAAAAAAAAAAAAAAAAAAAAAAAAAAAAAAAAAAAAAAAAAAAAFAAAADwAAAAAAAAAAAAAAAAAAAkUAAAAAQAAABQAAAAUAAAAFAAAAAEAAAAAAAAAZAAAAGQAAAAAAAAAZAAAAGQAAAAVAAAAYAAAAAAAAAAAAAAADwAAACADAAAAAAAAAAAAAAEAAACgMgAAVgcAAKr4//8BAAAAf39/AAEAAABkAAAAAAAAABQAAABAHwAAAAAAACYAAAAAAAAAwOD//wAAAAAmAAAAZAAAABYAAABMAAAAAAAAAAAAAAAEAAAAAAAAAAEAAACAgIAKAAAAACgAAAAoAAAAZAAAAGQAAAAAAAAAzMzMAAAAAABQAAAAUAAAAGQAAABkAAAAAAAAABcAAAAUAAAAAAAAAAAAAAD/fwAA/38AAAAAAAAJAAAABAAAAAAAAAAeAAAAaAAAAAAAAAAAAAAAAAAAAAAAAAAAAAAAECcAABAnAAAAAAAAAAAAAAAAAAAAAAAAAAAAAAAAAAAAAAAAAAAAABQAAAAAAAAAwMD/AAAAAABkAAAAMgAAAAAAAABkAAAAAAAAAH9/fwAKAAAAIgAAABgAAAAAAAAAAAAAAAAAAAAAAAAAAAAAAAAAAAAkAAAAJAAAAAAAAAAHAAAAAAAAAAAAAAAAAAAAAAAAAAAAAAAAAAAAf39/ACUAAABYAAAAAAAAAAAAAAAAAAAAAAAAAAAAAAAAAAAAAAAAAAAAAAAAAAAAAAAAAAAAAAA/AAAAAAAAAKCGAQAAAAAAAAAAAAAAAAAMAAAAAQAAAAAAAAAAAAAAAAAAAB8AAABUAAAAAAAABQAAAAEAAAAAAAAAAAAAAAAAAAAAAAAAAAAAAAAAAAAAAAAAAAAAAAJ/f38AAAAAA8zMzADAwP8Af39/AAAAAAAAAAAAAAAAAAAAAAAAAAAAIQAAABgAAAAUAAAAoRkAABsnAABfMQAAWSkAABAAAAAmAAAACAAAAAAAAAAAAAAA"/>
               </a:ext>
             </a:extLst>
           </p:cNvSpPr>
@@ -2735,7 +2736,7 @@
             <a:spLocks noGrp="1" noChangeArrowheads="1"/>
             <a:extLst>
               <a:ext uri="smNativeData">
-                <pr:smNativeData xmlns:pr="smNativeData" xmlns="smNativeData" val="SMDATA_15_D/RJaRMAAAAlAAAAZAAAAA0AAAAAkAAAAEgAAACQAAAASAAAAAAAAAABAAAAAAAAAAEAAABQAAAAAAAAAAAA4D8AAAAAAADgPwAAAAAAAOA/AAAAAAAA4D8AAAAAAADgPwAAAAAAAOA/AAAAAAAA4D8AAAAAAADgPwAAAAAAAOA/AAAAAAAA4D8CAAAAjAAAAAAAAAAAAAAAu+DjDP///wgAAAAAAAAAAAAAAAAAAAAAAAAAAAAAAAAAAAAAZAAAAAEAAABAAAAAAAAAAAAAAAAAAAAAAAAAAAAAAAAAAAAAAAAAAAAAAAAAAAAAAAAAAAAAAAAAAAAAAAAAAAAAAAAAAAAAAAAAAAAAAAAAAAAAAAAAAAAAAAAAAAAAFAAAADwAAAAAAAAAAAAAAAAAAAkUAAAAAQAAABQAAAAUAAAAFAAAAAEAAAAAAAAAZAAAAGQAAAAAAAAAZAAAAGQAAAAVAAAAYAAAAAAAAAAAAAAADwAAACADAAAAAAAAAAAAAAEAAACgMgAAVgcAAKr4//8BAAAAf39/AAEAAABkAAAAAAAAABQAAABAHwAAAAAAACYAAAAAAAAAwOD//wAAAAAmAAAAZAAAABYAAABMAAAAAAAAAAAAAAAEAAAAAAAAAAEAAACAgIAKAAAAACgAAAAoAAAAZAAAAGQAAAAAAAAAzMzMAAAAAABQAAAAUAAAAGQAAABkAAAAAAAAABcAAAAUAAAAAAAAAAAAAAD/fwAA/38AAAAAAAAJAAAABAAAAAAAAAAeAAAAaAAAAAAAAAAAAAAAAAAAAAAAAAAAAAAAECcAABAnAAAAAAAAAAAAAAAAAAAAAAAAAAAAAAAAAAAAAAAAAAAAABQAAAAAAAAAwMD/AAAAAABkAAAAMgAAAAAAAABkAAAAAAAAAH9/fwAKAAAAIgAAABgAAAAAAAAAAAAAAAAAAAAAAAAAAAAAAAAAAAAkAAAAJAAAAAAAAAAHAAAAAAAAAAAAAAAAAAAAAAAAAAAAAAAAAAAAf39/ACUAAABYAAAAAAAAAAAAAAAAAAAAAAAAAAAAAAAAAAAAAAAAAAAAAAAAAAAAAAAAAAAAAAA/AAAAAAAAAKCGAQAAAAAAAAAAAAAAAAAMAAAAAQAAAAAAAAAAAAAAAAAAAB8AAABUAAAAAAAABQAAAAEAAAAAAAAAAAAAAAAAAAAAAAAAAAAAAAAAAAAAAAAAAAAAAAJ/f38AAAAAA8zMzADAwP8Af39/AAAAAAAAAAAAAAAAAAAAAAAAAAAAIQAAABgAAAAUAAAAwTUAABsnAABARwAAWSkAABAAAAAmAAAACAAAAAAAAAAAAAAA"/>
+                <pr:smNativeData xmlns:pr="smNativeData" xmlns="smNativeData" val="SMDATA_15_PhJKaRMAAAAlAAAAZAAAAA0AAAAAkAAAAEgAAACQAAAASAAAAAAAAAABAAAAAAAAAAEAAABQAAAAAAAAAAAA4D8AAAAAAADgPwAAAAAAAOA/AAAAAAAA4D8AAAAAAADgPwAAAAAAAOA/AAAAAAAA4D8AAAAAAADgPwAAAAAAAOA/AAAAAAAA4D8CAAAAjAAAAAAAAAAAAAAAu+DjDP///wgAAAAAAAAAAAAAAAAAAAAAAAAAAAAAAAAAAAAAZAAAAAEAAABAAAAAAAAAAAAAAAAAAAAAAAAAAAAAAAAAAAAAAAAAAAAAAAAAAAAAAAAAAAAAAAAAAAAAAAAAAAAAAAAAAAAAAAAAAAAAAAAAAAAAAAAAAAAAAAAAAAAAFAAAADwAAAAAAAAAAAAAAAAAAAkUAAAAAQAAABQAAAAUAAAAFAAAAAEAAAAAAAAAZAAAAGQAAAAAAAAAZAAAAGQAAAAVAAAAYAAAAAAAAAAAAAAADwAAACADAAAAAAAAAAAAAAEAAACgMgAAVgcAAKr4//8BAAAAf39/AAEAAABkAAAAAAAAABQAAABAHwAAAAAAACYAAAAAAAAAwOD//wAAAAAmAAAAZAAAABYAAABMAAAAAAAAAAAAAAAEAAAAAAAAAAEAAACAgIAKAAAAACgAAAAoAAAAZAAAAGQAAAAAAAAAzMzMAAAAAABQAAAAUAAAAGQAAABkAAAAAAAAABcAAAAUAAAAAAAAAAAAAAD/fwAA/38AAAAAAAAJAAAABAAAAAAAAAAeAAAAaAAAAAAAAAAAAAAAAAAAAAAAAAAAAAAAECcAABAnAAAAAAAAAAAAAAAAAAAAAAAAAAAAAAAAAAAAAAAAAAAAABQAAAAAAAAAwMD/AAAAAABkAAAAMgAAAAAAAABkAAAAAAAAAH9/fwAKAAAAIgAAABgAAAAAAAAAAAAAAAAAAAAAAAAAAAAAAAAAAAAkAAAAJAAAAAAAAAAHAAAAAAAAAAAAAAAAAAAAAAAAAAAAAAAAAAAAf39/ACUAAABYAAAAAAAAAAAAAAAAAAAAAAAAAAAAAAAAAAAAAAAAAAAAAAAAAAAAAAAAAAAAAAA/AAAAAAAAAKCGAQAAAAAAAAAAAAAAAAAMAAAAAQAAAAAAAAAAAAAAAAAAAB8AAABUAAAAAAAABQAAAAEAAAAAAAAAAAAAAAAAAAAAAAAAAAAAAAAAAAAAAAAAAAAAAAJ/f38AAAAAA8zMzADAwP8Af39/AAAAAAAAAAAAAAAAAAAAAAAAAAAAIQAAABgAAAAUAAAAwTUAABsnAABARwAAWSkAABAAAAAmAAAACAAAAAAAAAAAAAAA"/>
               </a:ext>
             </a:extLst>
           </p:cNvSpPr>
@@ -2749,7 +2750,7 @@
           <a:lstStyle/>
           <a:p>
             <a:pPr/>
-            <a:fld id="{0C3D8C28-66E1-687A-AF85-902FC2CB59C5}" type="slidenum">
+            <a:fld id="{0CA7B2D3-9DE1-F244-AF1F-6B11FC51593E}" type="slidenum">
               <a:t>‹#›</a:t>
             </a:fld>
           </a:p>
@@ -2796,7 +2797,7 @@
             <a:spLocks noGrp="1" noChangeArrowheads="1"/>
             <a:extLst>
               <a:ext uri="smNativeData">
-                <pr:smNativeData xmlns:pr="smNativeData" xmlns="smNativeData" val="SMDATA_15_D/RJaRMAAAAlAAAAZAAAAA0AAAAAkAAAAEgAAACQAAAASAAAAAAAAAABAAAAAAAAAAEAAABQAAAAAAAAAAAA4D8AAAAAAADgPwAAAAAAAOA/AAAAAAAA4D8AAAAAAADgPwAAAAAAAOA/AAAAAAAA4D8AAAAAAADgPwAAAAAAAOA/AAAAAAAA4D8CAAAAjAAAAAAAAAAAAAAAu+DjDP///wgAAAAAAAAAAAAAAAAAAAAAAAAAAAAAAAAAAAAAZAAAAAEAAABAAAAAAAAAAAAAAAAAAAAAAAAAAAAAAAAAAAAAAAAAAAAAAAAAAAAAAAAAAAAAAAAAAAAAAAAAAAAAAAAAAAAAAAAAAAAAAAAAAAAAAAAAAAAAAAAAAAAAFAAAADwAAAAAAAAAAAAAAAAAAAkUAAAAAQAAABQAAAAUAAAAFAAAAAEAAAAAAAAAZAAAAGQAAAAAAAAAZAAAAGQAAAAVAAAAYAAAAAAAAAAAAAAADwAAACADAAAAAAAAAAAAAAEAAACgMgAAVgcAAKr4//8BAAAAf39/AAEAAABkAAAAAAAAABQAAABAHwAAAAAAACYAAAAAAAAAwOD//wAAAAAmAAAAZAAAABYAAABMAAAAAAAAAAAAAAAEAAAAAAAAAAEAAACAgIAKAAAAACgAAAAoAAAAZAAAAGQAAAAAAAAAzMzMAAAAAABQAAAAUAAAAGQAAABkAAAAAAAAABcAAAAUAAAAAAAAAAAAAAD/fwAA/38AAAAAAAAJAAAABAAAAGxpY2keAAAAaAAAAAAAAAAAAAAAAAAAAAAAAAAAAAAAECcAABAnAAAAAAAAAAAAAAAAAAAAAAAAAAAAAAAAAAAAAAAAAAAAABQAAAAAAAAAwMD/AAAAAABkAAAAMgAAAAAAAABkAAAAAAAAAH9/fwAKAAAAIgAAABgAAAAAAAAAAAAAAAAAAAAAAAAAAAAAAAAAAAAkAAAAJAAAAAAAAAAHAAAAAAAAAAAAAAAAAAAAAAAAAAAAAAAAAAAAf39/ACUAAABYAAAAAAAAAAAAAAAAAAAAAAAAAAAAAAAAAAAAAAAAAAAAAAAAAAAAAAAAAAAAAAA/AAAAAAAAAKCGAQAAAAAAAAAAAAAAAAAMAAAAAQAAAAAAAAAAAAAAAAAAAB8AAABUAAAAAAAABQAAAAEAAAAAAAAAAAAAAAAAAAAAAAAAAAAAAAAAAAAAAAAAAAAAAAJ/f38AAAAAA8zMzADAwP8Af39/AAAAAAAAAAAAAAAAAAAAAAAAAAAAIQAAABgAAAAUAAAAwAMAALABAABARwAAuAgAABAAAAAmAAAACAAAAIMfAAD//8EB"/>
+                <pr:smNativeData xmlns:pr="smNativeData" xmlns="smNativeData" val="SMDATA_15_PhJKaRMAAAAlAAAAZAAAAA0AAAAAkAAAAEgAAACQAAAASAAAAAAAAAABAAAAAAAAAAEAAABQAAAAAAAAAAAA4D8AAAAAAADgPwAAAAAAAOA/AAAAAAAA4D8AAAAAAADgPwAAAAAAAOA/AAAAAAAA4D8AAAAAAADgPwAAAAAAAOA/AAAAAAAA4D8CAAAAjAAAAAAAAAAAAAAAu+DjDP///wgAAAAAAAAAAAAAAAAAAAAAAAAAAAAAAAAAAAAAZAAAAAEAAABAAAAAAAAAAAAAAAAAAAAAAAAAAAAAAAAAAAAAAAAAAAAAAAAAAAAAAAAAAAAAAAAAAAAAAAAAAAAAAAAAAAAAAAAAAAAAAAAAAAAAAAAAAAAAAAAAAAAAFAAAADwAAAAAAAAAAAAAAAAAAAkUAAAAAQAAABQAAAAUAAAAFAAAAAEAAAAAAAAAZAAAAGQAAAAAAAAAZAAAAGQAAAAVAAAAYAAAAAAAAAAAAAAADwAAACADAAAAAAAAAAAAAAEAAACgMgAAVgcAAKr4//8BAAAAf39/AAEAAABkAAAAAAAAABQAAABAHwAAAAAAACYAAAAAAAAAwOD//wAAAAAmAAAAZAAAABYAAABMAAAAAAAAAAAAAAAEAAAAAAAAAAEAAACAgIAKAAAAACgAAAAoAAAAZAAAAGQAAAAAAAAAzMzMAAAAAABQAAAAUAAAAGQAAABkAAAAAAAAABcAAAAUAAAAAAAAAAAAAAD/fwAA/38AAAAAAAAJAAAABAAAAGxpY2keAAAAaAAAAAAAAAAAAAAAAAAAAAAAAAAAAAAAECcAABAnAAAAAAAAAAAAAAAAAAAAAAAAAAAAAAAAAAAAAAAAAAAAABQAAAAAAAAAwMD/AAAAAABkAAAAMgAAAAAAAABkAAAAAAAAAH9/fwAKAAAAIgAAABgAAAAAAAAAAAAAAAAAAAAAAAAAAAAAAAAAAAAkAAAAJAAAAAAAAAAHAAAAAAAAAAAAAAAAAAAAAAAAAAAAAAAAAAAAf39/ACUAAABYAAAAAAAAAAAAAAAAAAAAAAAAAAAAAAAAAAAAAAAAAAAAAAAAAAAAAAAAAAAAAAA/AAAAAAAAAKCGAQAAAAAAAAAAAAAAAAAMAAAAAQAAAAAAAAAAAAAAAAAAAB8AAABUAAAAAAAABQAAAAEAAAAAAAAAAAAAAAAAAAAAAAAAAAAAAAAAAAAAAAAAAAAAAAJ/f38AAAAAA8zMzADAwP8Af39/AAAAAAAAAAAAAAAAAAAAAAAAAAAAIQAAABgAAAAUAAAAwAMAALABAABARwAAuAgAABAAAAAmAAAACAAAAIMfAAD//8EB"/>
               </a:ext>
             </a:extLst>
           </p:cNvSpPr>
@@ -2840,7 +2841,7 @@
             <a:spLocks noGrp="1" noChangeArrowheads="1"/>
             <a:extLst>
               <a:ext uri="smNativeData">
-                <pr:smNativeData xmlns:pr="smNativeData" xmlns="smNativeData" val="SMDATA_15_D/RJaRMAAAAlAAAAZAAAAA0AAAAAkAAAAEgAAACQAAAASAAAAAAAAAAAAAAAAAAAAAEAAABQAAAAAAAAAAAA4D8AAAAAAADgPwAAAAAAAOA/AAAAAAAA4D8AAAAAAADgPwAAAAAAAOA/AAAAAAAA4D8AAAAAAADgPwAAAAAAAOA/AAAAAAAA4D8CAAAAjAAAAAAAAAAAAAAAu+DjDP///wgAAAAAAAAAAAAAAAAAAAAAAAAAAAAAAAAAAAAAZAAAAAEAAABAAAAAAAAAAAAAAAAAAAAAAAAAAAAAAAAAAAAAAAAAAAAAAAAAAAAAAAAAAAAAAAAAAAAAAAAAAAAAAAAAAAAAAAAAAAAAAAAAAAAAAAAAAAAAAAAAAAAAFAAAADwAAAAAAAAAAAAAAAAAAAkUAAAAAQAAABQAAAAUAAAAFAAAAAEAAAAAAAAAZAAAAGQAAAAAAAAAZAAAAGQAAAAVAAAAYAAAAAAAAAAAAAAADwAAACADAAAAAAAAAAAAAAEAAACgMgAAVgcAAKr4//8BAAAAf39/AAEAAABkAAAAAAAAABQAAABAHwAAAAAAACYAAAAAAAAAwOD//wAAAAAmAAAAZAAAABYAAABMAAAAAAAAAAAAAAAEAAAAAAAAAAEAAACAgIAKAAAAACgAAAAoAAAAZAAAAGQAAAAAAAAAzMzMAAAAAABQAAAAUAAAAGQAAABkAAAAAAAAABcAAAAUAAAAAAAAAAAAAAD/fwAA/38AAAAAAAAJAAAABAAAAGxpY2keAAAAaAAAAAAAAAAAAAAAAAAAAAAAAAAAAAAAECcAABAnAAAAAAAAAAAAAAAAAAAAAAAAAAAAAAAAAAAAAAAAAAAAABQAAAAAAAAAwMD/AAAAAABkAAAAMgAAAAAAAABkAAAAAAAAAH9/fwAKAAAAIgAAABgAAAAAAAAAAAAAAAAAAAAAAAAAAAAAAAAAAAAkAAAAJAAAAAAAAAAHAAAAAAAAAAAAAAAAAAAAAAAAAAAAAAAAAAAAf39/ACUAAABYAAAAAAAAAAAAAAAAAAAAAAAAAAAAAAAAAAAAAAAAAAAAAAAAAAAAAAAAAAAAAAA/AAAAAAAAAKCGAQAAAAAAAAAAAAAAAAAMAAAAAQAAAAAAAAAAAAAAAAAAAB8AAABUAAAAAAAABQAAAAEAAAAAAAAAAAAAAAAAAAAAAAAAAAAAAAAAAAAAAAAAAAAAAAJ/f38AAAAAA8zMzADAwP8Af39/AAAAAAAAAAAAAAAAAAAAAAAAAAAAIQAAABgAAAAUAAAAwAMAANgJAABARwAAsCUAABAAAAAmAAAACAAAAIMfAAD//8EB"/>
+                <pr:smNativeData xmlns:pr="smNativeData" xmlns="smNativeData" val="SMDATA_15_PhJKaRMAAAAlAAAAZAAAAA0AAAAAkAAAAEgAAACQAAAASAAAAAAAAAAAAAAAAAAAAAEAAABQAAAAAAAAAAAA4D8AAAAAAADgPwAAAAAAAOA/AAAAAAAA4D8AAAAAAADgPwAAAAAAAOA/AAAAAAAA4D8AAAAAAADgPwAAAAAAAOA/AAAAAAAA4D8CAAAAjAAAAAAAAAAAAAAAu+DjDP///wgAAAAAAAAAAAAAAAAAAAAAAAAAAAAAAAAAAAAAZAAAAAEAAABAAAAAAAAAAAAAAAAAAAAAAAAAAAAAAAAAAAAAAAAAAAAAAAAAAAAAAAAAAAAAAAAAAAAAAAAAAAAAAAAAAAAAAAAAAAAAAAAAAAAAAAAAAAAAAAAAAAAAFAAAADwAAAAAAAAAAAAAAAAAAAkUAAAAAQAAABQAAAAUAAAAFAAAAAEAAAAAAAAAZAAAAGQAAAAAAAAAZAAAAGQAAAAVAAAAYAAAAAAAAAAAAAAADwAAACADAAAAAAAAAAAAAAEAAACgMgAAVgcAAKr4//8BAAAAf39/AAEAAABkAAAAAAAAABQAAABAHwAAAAAAACYAAAAAAAAAwOD//wAAAAAmAAAAZAAAABYAAABMAAAAAAAAAAAAAAAEAAAAAAAAAAEAAACAgIAKAAAAACgAAAAoAAAAZAAAAGQAAAAAAAAAzMzMAAAAAABQAAAAUAAAAGQAAABkAAAAAAAAABcAAAAUAAAAAAAAAAAAAAD/fwAA/38AAAAAAAAJAAAABAAAAGxpY2keAAAAaAAAAAAAAAAAAAAAAAAAAAAAAAAAAAAAECcAABAnAAAAAAAAAAAAAAAAAAAAAAAAAAAAAAAAAAAAAAAAAAAAABQAAAAAAAAAwMD/AAAAAABkAAAAMgAAAAAAAABkAAAAAAAAAH9/fwAKAAAAIgAAABgAAAAAAAAAAAAAAAAAAAAAAAAAAAAAAAAAAAAkAAAAJAAAAAAAAAAHAAAAAAAAAAAAAAAAAAAAAAAAAAAAAAAAAAAAf39/ACUAAABYAAAAAAAAAAAAAAAAAAAAAAAAAAAAAAAAAAAAAAAAAAAAAAAAAAAAAAAAAAAAAAA/AAAAAAAAAKCGAQAAAAAAAAAAAAAAAAAMAAAAAQAAAAAAAAAAAAAAAAAAAB8AAABUAAAAAAAABQAAAAEAAAAAAAAAAAAAAAAAAAAAAAAAAAAAAAAAAAAAAAAAAAAAAAJ/f38AAAAAA8zMzADAwP8Af39/AAAAAAAAAAAAAAAAAAAAAAAAAAAAIQAAABgAAAAUAAAAwAMAANgJAABARwAAsCUAABAAAAAmAAAACAAAAIMfAAD//8EB"/>
               </a:ext>
             </a:extLst>
           </p:cNvSpPr>
@@ -2908,7 +2909,7 @@
             <a:spLocks noGrp="1" noChangeArrowheads="1"/>
             <a:extLst>
               <a:ext uri="smNativeData">
-                <pr:smNativeData xmlns:pr="smNativeData" xmlns="smNativeData" val="SMDATA_15_D/RJaRMAAAAlAAAAZAAAAA0AAAAAkAAAAEgAAACQAAAASAAAAAAAAAABAAAAAAAAAAEAAABQAAAAAAAAAAAA4D8AAAAAAADgPwAAAAAAAOA/AAAAAAAA4D8AAAAAAADgPwAAAAAAAOA/AAAAAAAA4D8AAAAAAADgPwAAAAAAAOA/AAAAAAAA4D8CAAAAjAAAAAAAAAAAAAAAu+DjDP///wgAAAAAAAAAAAAAAAAAAAAAAAAAAAAAAAAAAAAAZAAAAAEAAABAAAAAAAAAAAAAAAAAAAAAAAAAAAAAAAAAAAAAAAAAAAAAAAAAAAAAAAAAAAAAAAAAAAAAAAAAAAAAAAAAAAAAAAAAAAAAAAAAAAAAAAAAAAAAAAAAAAAAFAAAADwAAAAAAAAAAAAAAAAAAAkUAAAAAQAAABQAAAAUAAAAFAAAAAEAAAAAAAAAZAAAAGQAAAAAAAAAZAAAAGQAAAAVAAAAYAAAAAAAAAAAAAAADwAAACADAAAAAAAAAAAAAAEAAACgMgAAVgcAAKr4//8BAAAAf39/AAEAAABkAAAAAAAAABQAAABAHwAAAAAAACYAAAAAAAAAwOD//wAAAAAmAAAAZAAAABYAAABMAAAAAAAAAAAAAAAEAAAAAAAAAAEAAACAgIAKAAAAACgAAAAoAAAAZAAAAGQAAAAAAAAAzMzMAAAAAABQAAAAUAAAAGQAAABkAAAAAAAAABcAAAAUAAAAAAAAAAAAAAD/fwAA/38AAAAAAAAJAAAABAAAAE1hc3QeAAAAaAAAAAAAAAAAAAAAAAAAAAAAAAAAAAAAECcAABAnAAAAAAAAAAAAAAAAAAAAAAAAAAAAAAAAAAAAAAAAAAAAABQAAAAAAAAAwMD/AAAAAABkAAAAMgAAAAAAAABkAAAAAAAAAH9/fwAKAAAAIgAAABgAAAAAAAAAAAAAAAAAAAAAAAAAAAAAAAAAAAAkAAAAJAAAAAAAAAAHAAAAAAAAAAAAAAAAAAAAAAAAAAAAAAAAAAAAf39/ACUAAABYAAAAAAAAAAAAAAAAAAAAAAAAAAAAAAAAAAAAAAAAAAAAAAAAAAAAAAAAAAAAAAA/AAAAAAAAAKCGAQAAAAAAAAAAAAAAAAAMAAAAAQAAAAAAAAAAAAAAAAAAAB8AAABUAAAAAAAABQAAAAEAAAAAAAAAAAAAAAAAAAAAAAAAAAAAAAAAAAAAAAAAAAAAAAJ/f38AAAAAA8zMzADAwP8Af39/AAAAAAAAAAAAAAAAAAAAAAAAAAAAIQAAABgAAAAUAAAAwAMAABsnAAA/FQAAWSkAABAAAAAmAAAACAAAAIOfAAD//8EB"/>
+                <pr:smNativeData xmlns:pr="smNativeData" xmlns="smNativeData" val="SMDATA_15_PhJKaRMAAAAlAAAAZAAAAA0AAAAAkAAAAEgAAACQAAAASAAAAAAAAAABAAAAAAAAAAEAAABQAAAAAAAAAAAA4D8AAAAAAADgPwAAAAAAAOA/AAAAAAAA4D8AAAAAAADgPwAAAAAAAOA/AAAAAAAA4D8AAAAAAADgPwAAAAAAAOA/AAAAAAAA4D8CAAAAjAAAAAAAAAAAAAAAu+DjDP///wgAAAAAAAAAAAAAAAAAAAAAAAAAAAAAAAAAAAAAZAAAAAEAAABAAAAAAAAAAAAAAAAAAAAAAAAAAAAAAAAAAAAAAAAAAAAAAAAAAAAAAAAAAAAAAAAAAAAAAAAAAAAAAAAAAAAAAAAAAAAAAAAAAAAAAAAAAAAAAAAAAAAAFAAAADwAAAAAAAAAAAAAAAAAAAkUAAAAAQAAABQAAAAUAAAAFAAAAAEAAAAAAAAAZAAAAGQAAAAAAAAAZAAAAGQAAAAVAAAAYAAAAAAAAAAAAAAADwAAACADAAAAAAAAAAAAAAEAAACgMgAAVgcAAKr4//8BAAAAf39/AAEAAABkAAAAAAAAABQAAABAHwAAAAAAACYAAAAAAAAAwOD//wAAAAAmAAAAZAAAABYAAABMAAAAAAAAAAAAAAAEAAAAAAAAAAEAAACAgIAKAAAAACgAAAAoAAAAZAAAAGQAAAAAAAAAzMzMAAAAAABQAAAAUAAAAGQAAABkAAAAAAAAABcAAAAUAAAAAAAAAAAAAAD/fwAA/38AAAAAAAAJAAAABAAAAE1hc3QeAAAAaAAAAAAAAAAAAAAAAAAAAAAAAAAAAAAAECcAABAnAAAAAAAAAAAAAAAAAAAAAAAAAAAAAAAAAAAAAAAAAAAAABQAAAAAAAAAwMD/AAAAAABkAAAAMgAAAAAAAABkAAAAAAAAAH9/fwAKAAAAIgAAABgAAAAAAAAAAAAAAAAAAAAAAAAAAAAAAAAAAAAkAAAAJAAAAAAAAAAHAAAAAAAAAAAAAAAAAAAAAAAAAAAAAAAAAAAAf39/ACUAAABYAAAAAAAAAAAAAAAAAAAAAAAAAAAAAAAAAAAAAAAAAAAAAAAAAAAAAAAAAAAAAAA/AAAAAAAAAKCGAQAAAAAAAAAAAAAAAAAMAAAAAQAAAAAAAAAAAAAAAAAAAB8AAABUAAAAAAAABQAAAAEAAAAAAAAAAAAAAAAAAAAAAAAAAAAAAAAAAAAAAAAAAAAAAAJ/f38AAAAAA8zMzADAwP8Af39/AAAAAAAAAAAAAAAAAAAAAAAAAAAAIQAAABgAAAAUAAAAwAMAABsnAAA/FQAAWSkAABAAAAAmAAAACAAAAIOfAAD//8EB"/>
               </a:ext>
             </a:extLst>
           </p:cNvSpPr>
@@ -2943,7 +2944,7 @@
           </a:lstStyle>
           <a:p>
             <a:pPr/>
-            <a:fld id="{0C3DC480-CEE1-6832-AF85-38678ACB596D}" type="datetime1">
+            <a:fld id="{0CA7B237-79E1-F244-AF1F-8F11FC5159DA}" type="datetime1">
               <a:t/>
             </a:fld>
           </a:p>
@@ -2956,7 +2957,7 @@
             <a:spLocks noGrp="1" noChangeArrowheads="1"/>
             <a:extLst>
               <a:ext uri="smNativeData">
-                <pr:smNativeData xmlns:pr="smNativeData" xmlns="smNativeData" val="SMDATA_15_D/RJaRMAAAAlAAAAZAAAAA0AAAAAkAAAAEgAAACQAAAASAAAAAAAAAABAAAAAAAAAAEAAABQAAAAAAAAAAAA4D8AAAAAAADgPwAAAAAAAOA/AAAAAAAA4D8AAAAAAADgPwAAAAAAAOA/AAAAAAAA4D8AAAAAAADgPwAAAAAAAOA/AAAAAAAA4D8CAAAAjAAAAAAAAAAAAAAAu+DjDP///wgAAAAAAAAAAAAAAAAAAAAAAAAAAAAAAAAAAAAAZAAAAAEAAABAAAAAAAAAAAAAAAAAAAAAAAAAAAAAAAAAAAAAAAAAAAAAAAAAAAAAAAAAAAAAAAAAAAAAAAAAAAAAAAAAAAAAAAAAAAAAAAAAAAAAAAAAAAAAAAAAAAAAFAAAADwAAAAAAAAAAAAAAAAAAAkUAAAAAQAAABQAAAAUAAAAFAAAAAEAAAAAAAAAZAAAAGQAAAAAAAAAZAAAAGQAAAAVAAAAYAAAAAAAAAAAAAAADwAAACADAAAAAAAAAAAAAAEAAACgMgAAVgcAAKr4//8BAAAAf39/AAEAAABkAAAAAAAAABQAAABAHwAAAAAAACYAAAAAAAAAwOD//wAAAAAmAAAAZAAAABYAAABMAAAAAAAAAAAAAAAEAAAAAAAAAAEAAACAgIAKAAAAACgAAAAoAAAAZAAAAGQAAAAAAAAAzMzMAAAAAABQAAAAUAAAAGQAAABkAAAAAAAAABcAAAAUAAAAAAAAAAAAAAD/fwAA/38AAAAAAAAJAAAABAAAAE1hc3QeAAAAaAAAAAAAAAAAAAAAAAAAAAAAAAAAAAAAECcAABAnAAAAAAAAAAAAAAAAAAAAAAAAAAAAAAAAAAAAAAAAAAAAABQAAAAAAAAAwMD/AAAAAABkAAAAMgAAAAAAAABkAAAAAAAAAH9/fwAKAAAAIgAAABgAAAAAAAAAAAAAAAAAAAAAAAAAAAAAAAAAAAAkAAAAJAAAAAAAAAAHAAAAAAAAAAAAAAAAAAAAAAAAAAAAAAAAAAAAf39/ACUAAABYAAAAAAAAAAAAAAAAAAAAAAAAAAAAAAAAAAAAAAAAAAAAAAAAAAAAAAAAAAAAAAA/AAAAAAAAAKCGAQAAAAAAAAAAAAAAAAAMAAAAAQAAAAAAAAAAAAAAAAAAAB8AAABUAAAAAAAABQAAAAEAAAAAAAAAAAAAAAAAAAAAAAAAAAAAAAAAAAAAAAAAAAAAAAJ/f38AAAAAA8zMzADAwP8Af39/AAAAAAAAAAAAAAAAAAAAAAAAAAAAIQAAABgAAAAUAAAAoRkAABsnAABfMQAAWSkAABAAAAAmAAAACAAAAIOfAAD//8EB"/>
+                <pr:smNativeData xmlns:pr="smNativeData" xmlns="smNativeData" val="SMDATA_15_PhJKaRMAAAAlAAAAZAAAAA0AAAAAkAAAAEgAAACQAAAASAAAAAAAAAABAAAAAAAAAAEAAABQAAAAAAAAAAAA4D8AAAAAAADgPwAAAAAAAOA/AAAAAAAA4D8AAAAAAADgPwAAAAAAAOA/AAAAAAAA4D8AAAAAAADgPwAAAAAAAOA/AAAAAAAA4D8CAAAAjAAAAAAAAAAAAAAAu+DjDP///wgAAAAAAAAAAAAAAAAAAAAAAAAAAAAAAAAAAAAAZAAAAAEAAABAAAAAAAAAAAAAAAAAAAAAAAAAAAAAAAAAAAAAAAAAAAAAAAAAAAAAAAAAAAAAAAAAAAAAAAAAAAAAAAAAAAAAAAAAAAAAAAAAAAAAAAAAAAAAAAAAAAAAFAAAADwAAAAAAAAAAAAAAAAAAAkUAAAAAQAAABQAAAAUAAAAFAAAAAEAAAAAAAAAZAAAAGQAAAAAAAAAZAAAAGQAAAAVAAAAYAAAAAAAAAAAAAAADwAAACADAAAAAAAAAAAAAAEAAACgMgAAVgcAAKr4//8BAAAAf39/AAEAAABkAAAAAAAAABQAAABAHwAAAAAAACYAAAAAAAAAwOD//wAAAAAmAAAAZAAAABYAAABMAAAAAAAAAAAAAAAEAAAAAAAAAAEAAACAgIAKAAAAACgAAAAoAAAAZAAAAGQAAAAAAAAAzMzMAAAAAABQAAAAUAAAAGQAAABkAAAAAAAAABcAAAAUAAAAAAAAAAAAAAD/fwAA/38AAAAAAAAJAAAABAAAAE1hc3QeAAAAaAAAAAAAAAAAAAAAAAAAAAAAAAAAAAAAECcAABAnAAAAAAAAAAAAAAAAAAAAAAAAAAAAAAAAAAAAAAAAAAAAABQAAAAAAAAAwMD/AAAAAABkAAAAMgAAAAAAAABkAAAAAAAAAH9/fwAKAAAAIgAAABgAAAAAAAAAAAAAAAAAAAAAAAAAAAAAAAAAAAAkAAAAJAAAAAAAAAAHAAAAAAAAAAAAAAAAAAAAAAAAAAAAAAAAAAAAf39/ACUAAABYAAAAAAAAAAAAAAAAAAAAAAAAAAAAAAAAAAAAAAAAAAAAAAAAAAAAAAAAAAAAAAA/AAAAAAAAAKCGAQAAAAAAAAAAAAAAAAAMAAAAAQAAAAAAAAAAAAAAAAAAAB8AAABUAAAAAAAABQAAAAEAAAAAAAAAAAAAAAAAAAAAAAAAAAAAAAAAAAAAAAAAAAAAAAJ/f38AAAAAA8zMzADAwP8Af39/AAAAAAAAAAAAAAAAAAAAAAAAAAAAIQAAABgAAAAUAAAAoRkAABsnAABfMQAAWSkAABAAAAAmAAAACAAAAIOfAAD//8EB"/>
               </a:ext>
             </a:extLst>
           </p:cNvSpPr>
@@ -3001,7 +3002,7 @@
             <a:spLocks noGrp="1" noChangeArrowheads="1"/>
             <a:extLst>
               <a:ext uri="smNativeData">
-                <pr:smNativeData xmlns:pr="smNativeData" xmlns="smNativeData" val="SMDATA_15_D/RJaRMAAAAlAAAAZAAAAA0AAAAAkAAAAEgAAACQAAAASAAAAAAAAAABAAAAAAAAAAEAAABQAAAAAAAAAAAA4D8AAAAAAADgPwAAAAAAAOA/AAAAAAAA4D8AAAAAAADgPwAAAAAAAOA/AAAAAAAA4D8AAAAAAADgPwAAAAAAAOA/AAAAAAAA4D8CAAAAjAAAAAAAAAAAAAAAu+DjDP///wgAAAAAAAAAAAAAAAAAAAAAAAAAAAAAAAAAAAAAZAAAAAEAAABAAAAAAAAAAAAAAAAAAAAAAAAAAAAAAAAAAAAAAAAAAAAAAAAAAAAAAAAAAAAAAAAAAAAAAAAAAAAAAAAAAAAAAAAAAAAAAAAAAAAAAAAAAAAAAAAAAAAAFAAAADwAAAAAAAAAAAAAAAAAAAkUAAAAAQAAABQAAAAUAAAAFAAAAAEAAAAAAAAAZAAAAGQAAAAAAAAAZAAAAGQAAAAVAAAAYAAAAAAAAAAAAAAADwAAACADAAAAAAAAAAAAAAEAAACgMgAAVgcAAKr4//8BAAAAf39/AAEAAABkAAAAAAAAABQAAABAHwAAAAAAACYAAAAAAAAAwOD//wAAAAAmAAAAZAAAABYAAABMAAAAAAAAAAAAAAAEAAAAAAAAAAEAAACAgIAKAAAAACgAAAAoAAAAZAAAAGQAAAAAAAAAzMzMAAAAAABQAAAAUAAAAGQAAABkAAAAAAAAABcAAAAUAAAAAAAAAAAAAAD/fwAA/38AAAAAAAAJAAAABAAAAEFBQUEeAAAAaAAAAAAAAAAAAAAAAAAAAAAAAAAAAAAAECcAABAnAAAAAAAAAAAAAAAAAAAAAAAAAAAAAAAAAAAAAAAAAAAAABQAAAAAAAAAwMD/AAAAAABkAAAAMgAAAAAAAABkAAAAAAAAAH9/fwAKAAAAIgAAABgAAAAAAAAAAAAAAAAAAAAAAAAAAAAAAAAAAAAkAAAAJAAAAAAAAAAHAAAAAAAAAAAAAAAAAAAAAAAAAAAAAAAAAAAAf39/ACUAAABYAAAAAAAAAAAAAAAAAAAAAAAAAAAAAAAAAAAAAAAAAAAAAAAAAAAAAAAAAAAAAAA/AAAAAAAAAKCGAQAAAAAAAAAAAAAAAAAMAAAAAQAAAAAAAAAAAAAAAAAAAB8AAABUAAAAAAAABQAAAAEAAAAAAAAAAAAAAAAAAAAAAAAAAAAAAAAAAAAAAAAAAAAAAAJ/f38AAAAAA8zMzADAwP8Af39/AAAAAAAAAAAAAAAAAAAAAAAAAAAAIQAAABgAAAAUAAAAwTUAABsnAABARwAAWSkAABAAAAAmAAAACAAAAIOfAAD//8EB"/>
+                <pr:smNativeData xmlns:pr="smNativeData" xmlns="smNativeData" val="SMDATA_15_PhJKaRMAAAAlAAAAZAAAAA0AAAAAkAAAAEgAAACQAAAASAAAAAAAAAABAAAAAAAAAAEAAABQAAAAAAAAAAAA4D8AAAAAAADgPwAAAAAAAOA/AAAAAAAA4D8AAAAAAADgPwAAAAAAAOA/AAAAAAAA4D8AAAAAAADgPwAAAAAAAOA/AAAAAAAA4D8CAAAAjAAAAAAAAAAAAAAAu+DjDP///wgAAAAAAAAAAAAAAAAAAAAAAAAAAAAAAAAAAAAAZAAAAAEAAABAAAAAAAAAAAAAAAAAAAAAAAAAAAAAAAAAAAAAAAAAAAAAAAAAAAAAAAAAAAAAAAAAAAAAAAAAAAAAAAAAAAAAAAAAAAAAAAAAAAAAAAAAAAAAAAAAAAAAFAAAADwAAAAAAAAAAAAAAAAAAAkUAAAAAQAAABQAAAAUAAAAFAAAAAEAAAAAAAAAZAAAAGQAAAAAAAAAZAAAAGQAAAAVAAAAYAAAAAAAAAAAAAAADwAAACADAAAAAAAAAAAAAAEAAACgMgAAVgcAAKr4//8BAAAAf39/AAEAAABkAAAAAAAAABQAAABAHwAAAAAAACYAAAAAAAAAwOD//wAAAAAmAAAAZAAAABYAAABMAAAAAAAAAAAAAAAEAAAAAAAAAAEAAACAgIAKAAAAACgAAAAoAAAAZAAAAGQAAAAAAAAAzMzMAAAAAABQAAAAUAAAAGQAAABkAAAAAAAAABcAAAAUAAAAAAAAAAAAAAD/fwAA/38AAAAAAAAJAAAABAAAAEFBQUEeAAAAaAAAAAAAAAAAAAAAAAAAAAAAAAAAAAAAECcAABAnAAAAAAAAAAAAAAAAAAAAAAAAAAAAAAAAAAAAAAAAAAAAABQAAAAAAAAAwMD/AAAAAABkAAAAMgAAAAAAAABkAAAAAAAAAH9/fwAKAAAAIgAAABgAAAAAAAAAAAAAAAAAAAAAAAAAAAAAAAAAAAAkAAAAJAAAAAAAAAAHAAAAAAAAAAAAAAAAAAAAAAAAAAAAAAAAAAAAf39/ACUAAABYAAAAAAAAAAAAAAAAAAAAAAAAAAAAAAAAAAAAAAAAAAAAAAAAAAAAAAAAAAAAAAA/AAAAAAAAAKCGAQAAAAAAAAAAAAAAAAAMAAAAAQAAAAAAAAAAAAAAAAAAAB8AAABUAAAAAAAABQAAAAEAAAAAAAAAAAAAAAAAAAAAAAAAAAAAAAAAAAAAAAAAAAAAAAJ/f38AAAAAA8zMzADAwP8Af39/AAAAAAAAAAAAAAAAAAAAAAAAAAAAIQAAABgAAAAUAAAAwTUAABsnAABARwAAWSkAABAAAAAmAAAACAAAAIOfAAD//8EB"/>
               </a:ext>
             </a:extLst>
           </p:cNvSpPr>
@@ -3036,7 +3037,7 @@
           </a:lstStyle>
           <a:p>
             <a:pPr/>
-            <a:fld id="{0C3DE2FF-B1E1-6814-AF85-4741ACCB5912}" type="slidenum">
+            <a:fld id="{0CA793EE-A0E1-F265-AF1F-5630DD515903}" type="slidenum">
               <a:t/>
             </a:fld>
           </a:p>
@@ -3715,7 +3716,7 @@
             <a:spLocks noGrp="1" noChangeArrowheads="1"/>
             <a:extLst>
               <a:ext uri="smNativeData">
-                <pr:smNativeData xmlns:pr="smNativeData" xmlns="smNativeData" val="SMDATA_15_D/RJaRMAAAAlAAAAZAAAAA0AAAAAkAAAAEgAAACQAAAASAAAAAAAAAABAAAAAAAAAAEAAABQAAAAAAAAAAAA4D8AAAAAAADgPwAAAAAAAOA/AAAAAAAA4D8AAAAAAADgPwAAAAAAAOA/AAAAAAAA4D8AAAAAAADgPwAAAAAAAOA/AAAAAAAA4D8CAAAAjAAAAAAAAAAAAAAAu+DjDP///wgAAAAAAAAAAAAAAAAAAAAAAAAAAAAAAAAAAAAAZAAAAAEAAABAAAAAAAAAAAAAAAAAAAAAAAAAAAAAAAAAAAAAAAAAAAAAAAAAAAAAAAAAAAAAAAAAAAAAAAAAAAAAAAAAAAAAAAAAAAAAAAAAAAAAAAAAAAAAAAAAAAAAFAAAADwAAAAAAAAAAAAAAAAAAAkUAAAAAQAAABQAAAAUAAAAFAAAAAEAAAAAAAAAZAAAAGQAAAAAAAAAZAAAAGQAAAAVAAAAYAAAAAAAAAAAAAAADwAAACADAAAAAAAAAAAAAAEAAACgMgAAVgcAAKr4//8BAAAAf39/AAEAAABkAAAAAAAAABQAAABAHwAAAAAAACYAAAAAAAAAwOD//wAAAAAmAAAAZAAAABYAAABMAAAAAAAAAAAAAAAEAAAAAAAAAAEAAACAgIAKAAAAACgAAAAoAAAAZAAAAGQAAAAAAAAAzMzMAAAAAABQAAAAUAAAAGQAAABkAAAAAAAAABcAAAAUAAAAAAAAAAAAAAD/fwAA/38AAAAAAAAJAAAABAAAAAAAAAAeAAAAaAAAAAAAAAAAAAAAAAAAAAAAAAAAAAAAECcAABAnAAAAAAAAAAAAAAAAAAAAAAAAAAAAAAAAAAAAAAAAAAAAABQAAAAAAAAAwMD/AAAAAABkAAAAMgAAAAAAAABkAAAAAAAAAH9/fwAKAAAAIgAAABgAAAAAAAAAAAAAAAAAAAAAAAAAAAAAAAAAAAAkAAAAJAAAAAAAAAAHAAAAAAAAAAAAAAAAAAAAAAAAAAAAAAAAAAAAf39/ACUAAABYAAAAAAAAAAAAAAAAAAAAAAAAAAAAAAAAAAAAAAAAAAAAAAAAAAAAAAAAAAAAAAA/AAAAAAAAAKCGAQAAAAAAAAAAAAAAAAAMAAAAAQAAAAAAAAAAAAAAAAAAAB8AAABUAAAAAAAABQAAAAEAAAAAAAAAAAAAAAAAAAAAAAAAAAAAAAAAAAAAAAAAAAAAAAJ/f38AAAAAA8zMzADAwP8Af39/AAAAAAAAAAAAAAAAAAAAAAAAAAAAIQAAABgAAAAUAAAAoAUAABoNAABgRQAAJhYAABAAAAAmAAAACAAAAAAAAAAAAAAA"/>
+                <pr:smNativeData xmlns:pr="smNativeData" xmlns="smNativeData" val="SMDATA_15_PhJKaRMAAAAlAAAAZAAAAA0AAAAAkAAAAEgAAACQAAAASAAAAAAAAAABAAAAAAAAAAEAAABQAAAAAAAAAAAA4D8AAAAAAADgPwAAAAAAAOA/AAAAAAAA4D8AAAAAAADgPwAAAAAAAOA/AAAAAAAA4D8AAAAAAADgPwAAAAAAAOA/AAAAAAAA4D8CAAAAjAAAAAAAAAAAAAAAu+DjDP///wgAAAAAAAAAAAAAAAAAAAAAAAAAAAAAAAAAAAAAZAAAAAEAAABAAAAAAAAAAAAAAAAAAAAAAAAAAAAAAAAAAAAAAAAAAAAAAAAAAAAAAAAAAAAAAAAAAAAAAAAAAAAAAAAAAAAAAAAAAAAAAAAAAAAAAAAAAAAAAAAAAAAAFAAAADwAAAAAAAAAAAAAAAAAAAkUAAAAAQAAABQAAAAUAAAAFAAAAAEAAAAAAAAAZAAAAGQAAAAAAAAAZAAAAGQAAAAVAAAAYAAAAAAAAAAAAAAADwAAACADAAAAAAAAAAAAAAEAAACgMgAAVgcAAKr4//8BAAAAf39/AAEAAABkAAAAAAAAABQAAABAHwAAAAAAACYAAAAAAAAAwOD//wAAAAAmAAAAZAAAABYAAABMAAAAAAAAAAAAAAAEAAAAAAAAAAEAAACAgIAKAAAAACgAAAAoAAAAZAAAAGQAAAAAAAAAzMzMAAAAAABQAAAAUAAAAGQAAABkAAAAAAAAABcAAAAUAAAAAAAAAAAAAAD/fwAA/38AAAAAAAAJAAAABAAAAAAAAAAeAAAAaAAAAAAAAAAAAAAAAAAAAAAAAAAAAAAAECcAABAnAAAAAAAAAAAAAAAAAAAAAAAAAAAAAAAAAAAAAAAAAAAAABQAAAAAAAAAwMD/AAAAAABkAAAAMgAAAAAAAABkAAAAAAAAAH9/fwAKAAAAIgAAABgAAAAAAAAAAAAAAAAAAAAAAAAAAAAAAAAAAAAkAAAAJAAAAAAAAAAHAAAAAAAAAAAAAAAAAAAAAAAAAAAAAAAAAAAAf39/ACUAAABYAAAAAAAAAAAAAAAAAAAAAAAAAAAAAAAAAAAAAAAAAAAAAAAAAAAAAAAAAAAAAAA/AAAAAAAAAKCGAQAAAAAAAAAAAAAAAAAMAAAAAQAAAAAAAAAAAAAAAAAAAB8AAABUAAAAAAAABQAAAAEAAAAAAAAAAAAAAAAAAAAAAAAAAAAAAAAAAAAAAAAAAAAAAAJ/f38AAAAAA8zMzADAwP8Af39/AAAAAAAAAAAAAAAAAAAAAAAAAAAAIQAAABgAAAAUAAAAoAUAABoNAABgRQAAJhYAABAAAAAmAAAACAAAAAAAAAAAAAAA"/>
               </a:ext>
             </a:extLst>
           </p:cNvSpPr>
@@ -3742,7 +3743,7 @@
             <a:spLocks noGrp="1" noChangeArrowheads="1"/>
             <a:extLst>
               <a:ext uri="smNativeData">
-                <pr:smNativeData xmlns:pr="smNativeData" xmlns="smNativeData" val="SMDATA_15_D/RJaRMAAAAlAAAAZAAAAA0AAAAAkAAAAEgAAACQAAAASAAAAAAAAAAAAAAAAAAAAAEAAABQAAAAAAAAAAAA4D8AAAAAAADgPwAAAAAAAOA/AAAAAAAA4D8AAAAAAADgPwAAAAAAAOA/AAAAAAAA4D8AAAAAAADgPwAAAAAAAOA/AAAAAAAA4D8CAAAAjAAAAAAAAAAAAAAAu+DjDP///wgAAAAAAAAAAAAAAAAAAAAAAAAAAAAAAAAAAAAAZAAAAAEAAABAAAAAAAAAAAAAAAAAAAAAAAAAAAAAAAAAAAAAAAAAAAAAAAAAAAAAAAAAAAAAAAAAAAAAAAAAAAAAAAAAAAAAAAAAAAAAAAAAAAAAAAAAAAAAAAAAAAAAFAAAADwAAAAAAAAAAAAAAAAAAAkUAAAAAQAAABQAAAAUAAAAFAAAAAEAAAAAAAAAZAAAAGQAAAAAAAAAZAAAAGQAAAAVAAAAYAAAAAAAAAAAAAAADwAAACADAAAAAAAAAAAAAAEAAACgMgAAVgcAAKr4//8BAAAAf39/AAEAAABkAAAAAAAAABQAAABAHwAAAAAAACYAAAAAAAAAwOD//wAAAAAmAAAAZAAAABYAAABMAAAAAAAAAAAAAAAEAAAAAAAAAAEAAACAgIAKAAAAACgAAAAoAAAAZAAAAGQAAAAAAAAAzMzMAAAAAABQAAAAUAAAAGQAAABkAAAAAAAAABcAAAAUAAAAAAAAAAAAAAD/fwAA/38AAAAAAAAJAAAABAAAAAAAAAAeAAAAaAAAAAAAAAAAAAAAAAAAAAAAAAAAAAAAECcAABAnAAAAAAAAAAAAAAAAAAAAAAAAAAAAAAAAAAAAAAAAAAAAABQAAAAAAAAAwMD/AAAAAABkAAAAMgAAAAAAAABkAAAAAAAAAH9/fwAKAAAAIgAAABgAAAAAAAAAAAAAAAAAAAAAAAAAAAAAAAAAAAAkAAAAJAAAAAAAAAAHAAAAAAAAAAAAAAAAAAAAAAAAAAAAAAAAAAAAf39/ACUAAABYAAAAAAAAAAAAAAAAAAAAAAAAAAAAAAAAAAAAAAAAAAAAAAAAAAAAAAAAAAAAAAA/AAAAAAAAAKCGAQAAAAAAAAAAAAAAAAAMAAAAAQAAAAAAAAAAAAAAAAAAAB8AAABUAAAAAAAABQAAAAEAAAAAAAAAAAAAAAAAAAAAAAAAAAAAAAAAAAAAAAAAAAAAAAJ/f38AAAAAA8zMzADAwP8Af39/AAAAAAAAAAAAAAAAAAAAAAAAAAAAIQAAABgAAAAUAAAAQAsAAOgXAADAPwAAsCIAABAAAAAmAAAACAAAAAAAAAAAAAAA"/>
+                <pr:smNativeData xmlns:pr="smNativeData" xmlns="smNativeData" val="SMDATA_15_PhJKaRMAAAAlAAAAZAAAAA0AAAAAkAAAAEgAAACQAAAASAAAAAAAAAAAAAAAAAAAAAEAAABQAAAAAAAAAAAA4D8AAAAAAADgPwAAAAAAAOA/AAAAAAAA4D8AAAAAAADgPwAAAAAAAOA/AAAAAAAA4D8AAAAAAADgPwAAAAAAAOA/AAAAAAAA4D8CAAAAjAAAAAAAAAAAAAAAu+DjDP///wgAAAAAAAAAAAAAAAAAAAAAAAAAAAAAAAAAAAAAZAAAAAEAAABAAAAAAAAAAAAAAAAAAAAAAAAAAAAAAAAAAAAAAAAAAAAAAAAAAAAAAAAAAAAAAAAAAAAAAAAAAAAAAAAAAAAAAAAAAAAAAAAAAAAAAAAAAAAAAAAAAAAAFAAAADwAAAAAAAAAAAAAAAAAAAkUAAAAAQAAABQAAAAUAAAAFAAAAAEAAAAAAAAAZAAAAGQAAAAAAAAAZAAAAGQAAAAVAAAAYAAAAAAAAAAAAAAADwAAACADAAAAAAAAAAAAAAEAAACgMgAAVgcAAKr4//8BAAAAf39/AAEAAABkAAAAAAAAABQAAABAHwAAAAAAACYAAAAAAAAAwOD//wAAAAAmAAAAZAAAABYAAABMAAAAAAAAAAAAAAAEAAAAAAAAAAEAAACAgIAKAAAAACgAAAAoAAAAZAAAAGQAAAAAAAAAzMzMAAAAAABQAAAAUAAAAGQAAABkAAAAAAAAABcAAAAUAAAAAAAAAAAAAAD/fwAA/38AAAAAAAAJAAAABAAAAAAAAAAeAAAAaAAAAAAAAAAAAAAAAAAAAAAAAAAAAAAAECcAABAnAAAAAAAAAAAAAAAAAAAAAAAAAAAAAAAAAAAAAAAAAAAAABQAAAAAAAAAwMD/AAAAAABkAAAAMgAAAAAAAABkAAAAAAAAAH9/fwAKAAAAIgAAABgAAAAAAAAAAAAAAAAAAAAAAAAAAAAAAAAAAAAkAAAAJAAAAAAAAAAHAAAAAAAAAAAAAAAAAAAAAAAAAAAAAAAAAAAAf39/ACUAAABYAAAAAAAAAAAAAAAAAAAAAAAAAAAAAAAAAAAAAAAAAAAAAAAAAAAAAAAAAAAAAAA/AAAAAAAAAKCGAQAAAAAAAAAAAAAAAAAMAAAAAQAAAAAAAAAAAAAAAAAAAB8AAABUAAAAAAAABQAAAAEAAAAAAAAAAAAAAAAAAAAAAAAAAAAAAAAAAAAAAAAAAAAAAAJ/f38AAAAAA8zMzADAwP8Af39/AAAAAAAAAAAAAAAAAAAAAAAAAAAAIQAAABgAAAAUAAAAQAsAAOgXAADAPwAAsCIAABAAAAAmAAAACAAAAAAAAAAAAAAA"/>
               </a:ext>
             </a:extLst>
           </p:cNvSpPr>
@@ -3793,12 +3794,12 @@
       </p:grpSpPr>
       <p:sp>
         <p:nvSpPr>
-          <p:cNvPr id="2" name="SlideTitle1"/>
-          <p:cNvSpPr>
-            <a:spLocks noGrp="1" noChangeArrowheads="1"/>
-            <a:extLst>
-              <a:ext uri="smNativeData">
-                <pr:smNativeData xmlns:pr="smNativeData" xmlns="smNativeData" val="SMDATA_15_D/RJaRMAAAAlAAAAZAAAAA0AAAAAkAAAAEgAAACQAAAASAAAAAAAAAABAAAAAAAAAAEAAABQAAAAAAAAAAAA4D8AAAAAAADgPwAAAAAAAOA/AAAAAAAA4D8AAAAAAADgPwAAAAAAAOA/AAAAAAAA4D8AAAAAAADgPwAAAAAAAOA/AAAAAAAA4D8CAAAAjAAAAAAAAAAAAAAAu+DjDP///wgAAAAAAAAAAAAAAAAAAAAAAAAAAAAAAAAAAAAAZAAAAAEAAABAAAAAAAAAAAAAAAAAAAAAAAAAAAAAAAAAAAAAAAAAAAAAAAAAAAAAAAAAAAAAAAAAAAAAAAAAAAAAAAAAAAAAAAAAAAAAAAAAAAAAAAAAAAAAAAAAAAAAFAAAADwAAAAAAAAAAAAAAAAAAAkUAAAAAQAAABQAAAAUAAAAFAAAAAEAAAAAAAAAZAAAAGQAAAAAAAAAZAAAAGQAAAAVAAAAYAAAAAAAAAAAAAAADwAAACADAAAAAAAAAAAAAAEAAACgMgAAVgcAAKr4//8BAAAAf39/AAEAAABkAAAAAAAAABQAAABAHwAAAAAAACYAAAAAAAAAwOD//wAAAAAmAAAAZAAAABYAAABMAAAAAAAAAAAAAAAEAAAAAAAAAAEAAACAgIAKAAAAACgAAAAoAAAAZAAAAGQAAAAAAAAAzMzMAAAAAABQAAAAUAAAAGQAAABkAAAAAAAAABcAAAAUAAAAAAAAAAAAAAD/fwAA/38AAAAAAAAJAAAABAAAAAAAAAAeAAAAaAAAAAAAAAAAAAAAAAAAAAAAAAAAAAAAECcAABAnAAAAAAAAAAAAAAAAAAAAAAAAAAAAAAAAAAAAAAAAAAAAABQAAAAAAAAAwMD/AAAAAABkAAAAMgAAAAAAAABkAAAAAAAAAH9/fwAKAAAAIgAAABgAAAAAAAAAAAAAAAAAAAAAAAAAAAAAAAAAAAAkAAAAJAAAAAAAAAAHAAAAAAAAAAAAAAAAAAAAAAAAAAAAAAAAAAAAf39/ACUAAABYAAAAAAAAAAAAAAAAAAAAAAAAAAAAAAAAAAAAAAAAAAAAAAAAAAAAAAAAAAAAAAA/AAAAAAAAAKCGAQAAAAAAAAAAAAAAAAAMAAAAAQAAAAAAAAAAAAAAAAAAAB8AAABUAAAAAAAABQAAAAEAAAAAAAAAAAAAAAAAAAAAAAAAAAAAAAAAAAAAAAAAAAAAAAJ/f38AAAAAA8zMzADAwP8Af39/AAAAAAAAAAAAAAAAAAAAAAAAAAAAIQAAABgAAAAUAAAAwAMAALABAABARwAAuAgAABAAAAAmAAAACAAAAAAAAAAAAAAA"/>
+          <p:cNvPr id="2" name="Title 1"/>
+          <p:cNvSpPr>
+            <a:spLocks noGrp="1" noChangeArrowheads="1"/>
+            <a:extLst>
+              <a:ext uri="smNativeData">
+                <pr:smNativeData xmlns:pr="smNativeData" xmlns="smNativeData" val="SMDATA_15_PhJKaRMAAAAlAAAAZAAAAA0AAAAAkAAAAEgAAACQAAAASAAAAAAAAAABAAAAAAAAAAEAAABQAAAAAAAAAAAA4D8AAAAAAADgPwAAAAAAAOA/AAAAAAAA4D8AAAAAAADgPwAAAAAAAOA/AAAAAAAA4D8AAAAAAADgPwAAAAAAAOA/AAAAAAAA4D8CAAAAjAAAAAAAAAAAAAAAu+DjDP///wgAAAAAAAAAAAAAAAAAAAAAAAAAAAAAAAAAAAAAZAAAAAEAAABAAAAAAAAAAAAAAAAAAAAAAAAAAAAAAAAAAAAAAAAAAAAAAAAAAAAAAAAAAAAAAAAAAAAAAAAAAAAAAAAAAAAAAAAAAAAAAAAAAAAAAAAAAAAAAAAAAAAAFAAAADwAAAAAAAAAAAAAAAAAAAkUAAAAAQAAABQAAAAUAAAAFAAAAAEAAAAAAAAAZAAAAGQAAAAAAAAAZAAAAGQAAAAVAAAAYAAAAAAAAAAAAAAADwAAACADAAAAAAAAAAAAAAEAAACgMgAAVgcAAKr4//8BAAAAf39/AAEAAABkAAAAAAAAABQAAABAHwAAAAAAACYAAAAAAAAAwOD//wAAAAAmAAAAZAAAABYAAABMAAAAAAAAAAAAAAAEAAAAAAAAAAEAAACAgIAKAAAAACgAAAAoAAAAZAAAAGQAAAAAAAAAzMzMAAAAAABQAAAAUAAAAGQAAABkAAAAAAAAABcAAAAUAAAAAAAAAAAAAAD/fwAA/38AAAAAAAAJAAAABAAAAF8AYAAeAAAAaAAAAAAAAAAAAAAAAAAAAAAAAAAAAAAAECcAABAnAAAAAAAAAAAAAAAAAAAAAAAAAAAAAAAAAAAAAAAAAAAAABQAAAAAAAAAwMD/AAAAAABkAAAAMgAAAAAAAABkAAAAAAAAAH9/fwAKAAAAIgAAABgAAAAAAAAAAAAAAAAAAAAAAAAAAAAAAAAAAAAkAAAAJAAAAAAAAAAHAAAAAAAAAAAAAAAAAAAAAAAAAAAAAAAAAAAAf39/ACUAAABYAAAAAAAAAAAAAAAAAAAAAAAAAAAAAAAAAAAAAAAAAAAAAAAAAAAAAAAAAAAAAAA/AAAAAAAAAKCGAQAAAAAAAAAAAAAAAAAMAAAAAQAAAAAAAAAAAAAAAAAAAB8AAABUAAAAAAAABQAAAAEAAAAAAAAAAAAAAAAAAAAAAAAAAAAAAAAAAAAAAAAAAAAAAAJ/f38AAAAAA8zMzADAwP8Af39/AAAAAAAAAAAAAAAAAAAAAAAAAAAAIQAAABgAAAAUAAAAwAMAALABAABARwAAuAgAABAAAAAmAAAACAAAAAAAAAAAAAAA"/>
               </a:ext>
             </a:extLst>
           </p:cNvSpPr>
@@ -3813,19 +3814,21 @@
           <a:p>
             <a:pPr/>
             <a:r>
-              <a:t>CNN = Convolutional Neural Net</a:t>
-            </a:r>
-          </a:p>
-        </p:txBody>
-      </p:sp>
-      <p:sp>
-        <p:nvSpPr>
-          <p:cNvPr id="3" name="SlideText1"/>
-          <p:cNvSpPr>
-            <a:spLocks noGrp="1" noChangeArrowheads="1"/>
-            <a:extLst>
-              <a:ext uri="smNativeData">
-                <pr:smNativeData xmlns:pr="smNativeData" xmlns="smNativeData" val="SMDATA_15_D/RJaRMAAAAlAAAAZAAAAA0AAAAAkAAAAEgAAACQAAAASAAAAAAAAAAAAAAAAAAAAAEAAABQAAAAAAAAAAAA4D8AAAAAAADgPwAAAAAAAOA/AAAAAAAA4D8AAAAAAADgPwAAAAAAAOA/AAAAAAAA4D8AAAAAAADgPwAAAAAAAOA/AAAAAAAA4D8CAAAAjAAAAAAAAAAAAAAAu+DjDP///wgAAAAAAAAAAAAAAAAAAAAAAAAAAAAAAAAAAAAAZAAAAAEAAABAAAAAAAAAAAAAAAAAAAAAAAAAAAAAAAAAAAAAAAAAAAAAAAAAAAAAAAAAAAAAAAAAAAAAAAAAAAAAAAAAAAAAAAAAAAAAAAAAAAAAAAAAAAAAAAAAAAAAFAAAADwAAAAAAAAAAAAAAAAAAAkUAAAAAQAAABQAAAAUAAAAFAAAAAEAAAAAAAAAZAAAAGQAAAAAAAAAZAAAAGQAAAAVAAAAYAAAAAAAAAAAAAAADwAAACADAAAAAAAAAAAAAAEAAACgMgAAVgcAAKr4//8BAAAAf39/AAEAAABkAAAAAAAAABQAAABAHwAAAAAAACYAAAAAAAAAwOD//wAAAAAmAAAAZAAAABYAAABMAAAAAAAAAAAAAAAEAAAAAAAAAAEAAACAgIAKAAAAACgAAAAoAAAAZAAAAGQAAAAAAAAAzMzMAAAAAABQAAAAUAAAAGQAAABkAAAAAAAAABcAAAAUAAAAAAAAAAAAAAD/fwAA/38AAAAAAAAJAAAABAAAAF8AYAAeAAAAaAAAAAAAAAAAAAAAAAAAAAAAAAAAAAAAECcAABAnAAAAAAAAAAAAAAAAAAAAAAAAAAAAAAAAAAAAAAAAAAAAABQAAAAAAAAAwMD/AAAAAABkAAAAMgAAAAAAAABkAAAAAAAAAH9/fwAKAAAAIgAAABgAAAAAAAAAAAAAAAAAAAAAAAAAAAAAAAAAAAAkAAAAJAAAAAAAAAAHAAAAAAAAAAAAAAAAAAAAAAAAAAAAAAAAAAAAf39/ACUAAABYAAAAAAAAAAAAAAAAAAAAAAAAAAAAAAAAAAAAAAAAAAAAAAAAAAAAAAAAAAAAAAA/AAAAAAAAAKCGAQAAAAAAAAAAAAAAAAAMAAAAAQAAAAAAAAAAAAAAAAAAAB8AAABUAAAAAAAABQAAAAEAAAAAAAAAAAAAAAAAAAAAAAAAAAAAAAAAAAAAAAAAAAAAAAJ/f38AAAAAA8zMzADAwP8Af39/AAAAAAAAAAAAAAAAAAAAAAAAAAAAIQAAABgAAAAUAAAAwAMAANgJAABARwAAsCUAABAAAAAmAAAACAAAAAAAAAAAAAAA"/>
+              <a:rPr lang="en-us" cap="none"/>
+              <a:t>TorchAudio</a:t>
+            </a:r>
+            <a:endParaRPr lang="en-us" cap="none"/>
+          </a:p>
+        </p:txBody>
+      </p:sp>
+      <p:sp>
+        <p:nvSpPr>
+          <p:cNvPr id="3" name="Content Placeholder 2"/>
+          <p:cNvSpPr>
+            <a:spLocks noGrp="1" noChangeArrowheads="1"/>
+            <a:extLst>
+              <a:ext uri="smNativeData">
+                <pr:smNativeData xmlns:pr="smNativeData" xmlns="smNativeData" val="SMDATA_15_PhJKaRMAAAAlAAAAZAAAAA0AAAAAkAAAAEgAAACQAAAASAAAAAAAAAAAAAAAAAAAAAEAAABQAAAAAAAAAAAA4D8AAAAAAADgPwAAAAAAAOA/AAAAAAAA4D8AAAAAAADgPwAAAAAAAOA/AAAAAAAA4D8AAAAAAADgPwAAAAAAAOA/AAAAAAAA4D8CAAAAjAAAAAAAAAAAAAAAu+DjDP///wgAAAAAAAAAAAAAAAAAAAAAAAAAAAAAAAAAAAAAZAAAAAEAAABAAAAAAAAAAAAAAAAAAAAAAAAAAAAAAAAAAAAAAAAAAAAAAAAAAAAAAAAAAAAAAAAAAAAAAAAAAAAAAAAAAAAAAAAAAAAAAAAAAAAAAAAAAAAAAAAAAAAAFAAAADwAAAAAAAAAAAAAAAAAAAkUAAAAAQAAABQAAAAUAAAAFAAAAAEAAAAAAAAAZAAAAGQAAAAAAAAAZAAAAGQAAAAVAAAAYAAAAAAAAAAAAAAADwAAACADAAAAAAAAAAAAAAEAAACgMgAAVgcAAKr4//8BAAAAf39/AAEAAABkAAAAAAAAABQAAABAHwAAAAAAACYAAAAAAAAAwOD//wAAAAAmAAAAZAAAABYAAABMAAAAAAAAAAAAAAAEAAAAAAAAAAEAAACAgIAKAAAAACgAAAAoAAAAZAAAAGQAAAAAAAAAzMzMAAAAAABQAAAAUAAAAGQAAABkAAAAAAAAABcAAAAUAAAAAAAAAAAAAAD/fwAA/38AAAAAAAAJAAAABAAAAF8AYAAeAAAAaAAAAAAAAAAAAAAAAAAAAAAAAAAAAAAAECcAABAnAAAAAAAAAAAAAAAAAAAAAAAAAAAAAAAAAAAAAAAAAAAAABQAAAAAAAAAwMD/AAAAAABkAAAAMgAAAAAAAABkAAAAAAAAAH9/fwAKAAAAIgAAABgAAAAAAAAAAAAAAAAAAAAAAAAAAAAAAAAAAAAkAAAAJAAAAAAAAAAHAAAAAAAAAAAAAAAAAAAAAAAAAAAAAAAAAAAAf39/ACUAAABYAAAAAAAAAAAAAAAAAAAAAAAAAAAAAAAAAAAAAAAAAAAAAAAAAAAAAAAAAAAAAAA/AAAAAAAAAKCGAQAAAAAAAAAAAAAAAAAMAAAAAQAAAAAAAAAAAAAAAAAAAB8AAABUAAAAAAAABQAAAAEAAAAAAAAAAAAAAAAAAAAAAAAAAAAAAAAAAAAAAAAAAAAAAAJ/f38AAAAAA8zMzADAwP8Af39/AAAAAAAAAAAAAAAAAAAAAAAAAAAAIQAAABgAAAAUAAAAwAMAANgJAABARwAAsCUAABAAAAAmAAAACAAAAAAAAAAAAAAA"/>
               </a:ext>
             </a:extLst>
           </p:cNvSpPr>
@@ -3838,87 +3841,80 @@
           <a:bodyPr/>
           <a:lstStyle/>
           <a:p>
-            <a:pPr>
-              <a:defRPr sz="2800" cap="none"/>
-            </a:pPr>
-            <a:r>
-              <a:t>Convolution combines two math functions to produce a third</a:t>
-            </a:r>
-          </a:p>
-          <a:p>
-            <a:pPr lvl="1">
-              <a:defRPr sz="2400" cap="none"/>
-            </a:pPr>
-            <a:r>
-              <a:t>Conv2D is used for 2D-image convolution</a:t>
-            </a:r>
-          </a:p>
-          <a:p>
-            <a:pPr>
-              <a:defRPr sz="2800" cap="none"/>
-            </a:pPr>
-            <a:r>
-              <a:t>In image recognition, images are filtered for various features</a:t>
-            </a:r>
-          </a:p>
-          <a:p>
-            <a:pPr lvl="1">
-              <a:defRPr sz="2400" cap="none"/>
-            </a:pPr>
-            <a:r>
-              <a:t>Kernels = learnable filters that are adjusted during training</a:t>
-            </a:r>
-          </a:p>
-          <a:p>
-            <a:pPr lvl="1">
-              <a:defRPr sz="2400" cap="none"/>
-            </a:pPr>
-            <a:r>
-              <a:t>Detect on the filtered image (ReLU)</a:t>
-            </a:r>
-          </a:p>
-          <a:p>
-            <a:pPr>
-              <a:defRPr sz="2800" cap="none"/>
-            </a:pPr>
-            <a:r>
-              <a:t>The filters/kernels are slid over the input image to create a product at each position, followed by summation to produce an output feature map</a:t>
-            </a:r>
-          </a:p>
-          <a:p>
-            <a:pPr>
-              <a:defRPr sz="2800" cap="none"/>
-            </a:pPr>
-            <a:r>
-              <a:t>bias = offsets or shift adjustment</a:t>
-            </a:r>
-          </a:p>
-          <a:p>
-            <a:pPr>
-              <a:defRPr sz="2800" cap="none"/>
-            </a:pPr>
-            <a:r>
-              <a:t>CNN usually uses multiple filters simultaneously</a:t>
-            </a:r>
-          </a:p>
-          <a:p>
-            <a:pPr lvl="1">
-              <a:defRPr sz="2400" cap="none"/>
-            </a:pPr>
-            <a:r>
-              <a:t>Many features in each layer</a:t>
-            </a:r>
-          </a:p>
-          <a:p>
-            <a:pPr lvl="1"/>
-            <a:r>
-              <a:rPr sz="2400" cap="none"/>
-              <a:t>Many layers allow complex heirarchical combos of features</a:t>
-            </a:r>
-            <a:endParaRPr sz="2400" cap="none"/>
-          </a:p>
-          <a:p>
-            <a:pPr lvl="1"/>
+            <a:pPr/>
+            <a:r>
+              <a:t>Speech Recognition</a:t>
+            </a:r>
+          </a:p>
+          <a:p>
+            <a:pPr/>
+            <a:r>
+              <a:t>Wave data-to-vector transforms</a:t>
+            </a:r>
+          </a:p>
+          <a:p>
+            <a:pPr/>
+          </a:p>
+          <a:p>
+            <a:pPr/>
+          </a:p>
+        </p:txBody>
+      </p:sp>
+      <p:sp>
+        <p:nvSpPr>
+          <p:cNvPr id="4" name="Date Placeholder 3"/>
+          <p:cNvSpPr>
+            <a:spLocks noGrp="1" noChangeArrowheads="1"/>
+            <a:extLst>
+              <a:ext uri="smNativeData">
+                <pr:smNativeData xmlns:pr="smNativeData" xmlns="smNativeData" val="SMDATA_15_PhJKaRMAAAAlAAAAZAAAAA0AAAAAkAAAAEgAAACQAAAASAAAAAAAAAABAAAAAAAAAAEAAABQAAAAAAAAAAAA4D8AAAAAAADgPwAAAAAAAOA/AAAAAAAA4D8AAAAAAADgPwAAAAAAAOA/AAAAAAAA4D8AAAAAAADgPwAAAAAAAOA/AAAAAAAA4D8CAAAAjAAAAAAAAAAAAAAAu+DjDP///wgAAAAAAAAAAAAAAAAAAAAAAAAAAAAAAAAAAAAAZAAAAAEAAABAAAAAAAAAAAAAAAAAAAAAAAAAAAAAAAAAAAAAAAAAAAAAAAAAAAAAAAAAAAAAAAAAAAAAAAAAAAAAAAAAAAAAAAAAAAAAAAAAAAAAAAAAAAAAAAAAAAAAFAAAADwAAAAAAAAAAAAAAAAAAAkUAAAAAQAAABQAAAAUAAAAFAAAAAEAAAAAAAAAZAAAAGQAAAAAAAAAZAAAAGQAAAAVAAAAYAAAAAAAAAAAAAAADwAAACADAAAAAAAAAAAAAAEAAACgMgAAVgcAAKr4//8BAAAAf39/AAEAAABkAAAAAAAAABQAAABAHwAAAAAAACYAAAAAAAAAwOD//wAAAAAmAAAAZAAAABYAAABMAAAAAAAAAAAAAAAEAAAAAAAAAAEAAACAgIAKAAAAACgAAAAoAAAAZAAAAGQAAAAAAAAAzMzMAAAAAABQAAAAUAAAAGQAAABkAAAAAAAAABcAAAAUAAAAAAAAAAAAAAD/fwAA/38AAAAAAAAJAAAABAAAAAAAAAAeAAAAaAAAAAAAAAAAAAAAAAAAAAAAAAAAAAAAECcAABAnAAAAAAAAAAAAAAAAAAAAAAAAAAAAAAAAAAAAAAAAAAAAABQAAAAAAAAAwMD/AAAAAABkAAAAMgAAAAAAAABkAAAAAAAAAH9/fwAKAAAAIgAAABgAAAAAAAAAAAAAAAAAAAAAAAAAAAAAAAAAAAAkAAAAJAAAAAAAAAAHAAAAAAAAAAAAAAAAAAAAAAAAAAAAAAAAAAAAf39/ACUAAABYAAAAAAAAAAAAAAAAAAAAAAAAAAAAAAAAAAAAAAAAAAAAAAAAAAAAAAAAAAAAAAA/AAAAAAAAAKCGAQAAAAAAAAAAAAAAAAAMAAAAAQAAAAAAAAAAAAAAAAAAAB8AAABUAAAAAAAABQAAAAEAAAAAAAAAAAAAAAAAAAAAAAAAAAAAAAAAAAAAAAAAAAAAAAJ/f38AAAAAA8zMzADAwP8Af39/AAAAAAAAAAAAAAAAAAAAAAAAAAAAIQAAABgAAAAUAAAAwAMAABsnAAA/FQAAWSkAABAAAAAmAAAACAAAAAAAAAAAAAAA"/>
+              </a:ext>
+            </a:extLst>
+          </p:cNvSpPr>
+          <p:nvPr>
+            <p:ph type="dt" sz="quarter" idx="10"/>
+          </p:nvPr>
+        </p:nvSpPr>
+        <p:spPr/>
+        <p:txBody>
+          <a:bodyPr/>
+          <a:lstStyle/>
+          <a:p>
+            <a:pPr/>
+            <a:fld id="{0CA782CB-85E1-F274-AF1F-7321CC515926}" type="datetime1">
+              <a:rPr lang="en-us" cap="none"/>
+              <a:t>12/22/2025</a:t>
+            </a:fld>
+            <a:endParaRPr lang="en-us" cap="none"/>
+          </a:p>
+        </p:txBody>
+      </p:sp>
+      <p:sp>
+        <p:nvSpPr>
+          <p:cNvPr id="5" name="Slide Number Placeholder 4"/>
+          <p:cNvSpPr>
+            <a:spLocks noGrp="1" noChangeArrowheads="1"/>
+            <a:extLst>
+              <a:ext uri="smNativeData">
+                <pr:smNativeData xmlns:pr="smNativeData" xmlns="smNativeData" val="SMDATA_15_PhJKaRMAAAAlAAAAZAAAAA0AAAAAkAAAAEgAAACQAAAASAAAAAAAAAABAAAAAAAAAAEAAABQAAAAAAAAAAAA4D8AAAAAAADgPwAAAAAAAOA/AAAAAAAA4D8AAAAAAADgPwAAAAAAAOA/AAAAAAAA4D8AAAAAAADgPwAAAAAAAOA/AAAAAAAA4D8CAAAAjAAAAAAAAAAAAAAAu+DjDP///wgAAAAAAAAAAAAAAAAAAAAAAAAAAAAAAAAAAAAAZAAAAAEAAABAAAAAAAAAAAAAAAAAAAAAAAAAAAAAAAAAAAAAAAAAAAAAAAAAAAAAAAAAAAAAAAAAAAAAAAAAAAAAAAAAAAAAAAAAAAAAAAAAAAAAAAAAAAAAAAAAAAAAFAAAADwAAAAAAAAAAAAAAAAAAAkUAAAAAQAAABQAAAAUAAAAFAAAAAEAAAAAAAAAZAAAAGQAAAAAAAAAZAAAAGQAAAAVAAAAYAAAAAAAAAAAAAAADwAAACADAAAAAAAAAAAAAAEAAACgMgAAVgcAAKr4//8BAAAAf39/AAEAAABkAAAAAAAAABQAAABAHwAAAAAAACYAAAAAAAAAwOD//wAAAAAmAAAAZAAAABYAAABMAAAAAAAAAAAAAAAEAAAAAAAAAAEAAACAgIAKAAAAACgAAAAoAAAAZAAAAGQAAAAAAAAAzMzMAAAAAABQAAAAUAAAAGQAAABkAAAAAAAAABcAAAAUAAAAAAAAAAAAAAD/fwAA/38AAAAAAAAJAAAABAAAAAAAAAAeAAAAaAAAAAAAAAAAAAAAAAAAAAAAAAAAAAAAECcAABAnAAAAAAAAAAAAAAAAAAAAAAAAAAAAAAAAAAAAAAAAAAAAABQAAAAAAAAAwMD/AAAAAABkAAAAMgAAAAAAAABkAAAAAAAAAH9/fwAKAAAAIgAAABgAAAAAAAAAAAAAAAAAAAAAAAAAAAAAAAAAAAAkAAAAJAAAAAAAAAAHAAAAAAAAAAAAAAAAAAAAAAAAAAAAAAAAAAAAf39/ACUAAABYAAAAAAAAAAAAAAAAAAAAAAAAAAAAAAAAAAAAAAAAAAAAAAAAAAAAAAAAAAAAAAA/AAAAAAAAAKCGAQAAAAAAAAAAAAAAAAAMAAAAAQAAAAAAAAAAAAAAAAAAAB8AAABUAAAAAAAABQAAAAEAAAAAAAAAAAAAAAAAAAAAAAAAAAAAAAAAAAAAAAAAAAAAAAJ/f38AAAAAA8zMzADAwP8Af39/AAAAAAAAAAAAAAAAAAAAAAAAAAAAIQAAABgAAAAUAAAAwTUAABsnAABARwAAWSkAABAAAAAmAAAACAAAAAAAAAAAAAAA"/>
+              </a:ext>
+            </a:extLst>
+          </p:cNvSpPr>
+          <p:nvPr>
+            <p:ph type="sldNum" sz="quarter" idx="12"/>
+          </p:nvPr>
+        </p:nvSpPr>
+        <p:spPr/>
+        <p:txBody>
+          <a:bodyPr/>
+          <a:lstStyle/>
+          <a:p>
+            <a:pPr/>
+            <a:fld id="{0CA7D267-29E1-F224-AF1F-DF719C51598A}" type="slidenum">
+              <a:rPr lang="en-us" cap="none"/>
+              <a:t>9</a:t>
+            </a:fld>
+            <a:endParaRPr lang="en-us" cap="none"/>
           </a:p>
         </p:txBody>
       </p:sp>
@@ -3961,7 +3957,7 @@
             <a:spLocks noGrp="1" noChangeArrowheads="1"/>
             <a:extLst>
               <a:ext uri="smNativeData">
-                <pr:smNativeData xmlns:pr="smNativeData" xmlns="smNativeData" val="SMDATA_15_D/RJaRMAAAAlAAAAZAAAAA0AAAAAkAAAAEgAAACQAAAASAAAAAAAAAABAAAAAAAAAAEAAABQAAAAAAAAAAAA4D8AAAAAAADgPwAAAAAAAOA/AAAAAAAA4D8AAAAAAADgPwAAAAAAAOA/AAAAAAAA4D8AAAAAAADgPwAAAAAAAOA/AAAAAAAA4D8CAAAAjAAAAAAAAAAAAAAAu+DjDP///wgAAAAAAAAAAAAAAAAAAAAAAAAAAAAAAAAAAAAAZAAAAAEAAABAAAAAAAAAAAAAAAAAAAAAAAAAAAAAAAAAAAAAAAAAAAAAAAAAAAAAAAAAAAAAAAAAAAAAAAAAAAAAAAAAAAAAAAAAAAAAAAAAAAAAAAAAAAAAAAAAAAAAFAAAADwAAAAAAAAAAAAAAAAAAAkUAAAAAQAAABQAAAAUAAAAFAAAAAEAAAAAAAAAZAAAAGQAAAAAAAAAZAAAAGQAAAAVAAAAYAAAAAAAAAAAAAAADwAAACADAAAAAAAAAAAAAAEAAACgMgAAVgcAAKr4//8BAAAAf39/AAEAAABkAAAAAAAAABQAAABAHwAAAAAAACYAAAAAAAAAwOD//wAAAAAmAAAAZAAAABYAAABMAAAAAAAAAAAAAAAEAAAAAAAAAAEAAACAgIAKAAAAACgAAAAoAAAAZAAAAGQAAAAAAAAAzMzMAAAAAABQAAAAUAAAAGQAAABkAAAAAAAAABcAAAAUAAAAAAAAAAAAAAD/fwAA/38AAAAAAAAJAAAABAAAAF8AYAAeAAAAaAAAAAAAAAAAAAAAAAAAAAAAAAAAAAAAECcAABAnAAAAAAAAAAAAAAAAAAAAAAAAAAAAAAAAAAAAAAAAAAAAABQAAAAAAAAAwMD/AAAAAABkAAAAMgAAAAAAAABkAAAAAAAAAH9/fwAKAAAAIgAAABgAAAAAAAAAAAAAAAAAAAAAAAAAAAAAAAAAAAAkAAAAJAAAAAAAAAAHAAAAAAAAAAAAAAAAAAAAAAAAAAAAAAAAAAAAf39/ACUAAABYAAAAAAAAAAAAAAAAAAAAAAAAAAAAAAAAAAAAAAAAAAAAAAAAAAAAAAAAAAAAAAA/AAAAAAAAAKCGAQAAAAAAAAAAAAAAAAAMAAAAAQAAAAAAAAAAAAAAAAAAAB8AAABUAAAAAAAABQAAAAEAAAAAAAAAAAAAAAAAAAAAAAAAAAAAAAAAAAAAAAAAAAAAAAJ/f38AAAAAA8zMzADAwP8Af39/AAAAAAAAAAAAAAAAAAAAAAAAAAAAIQAAABgAAAAUAAAAwAMAALABAABARwAAuAgAABAAAAAmAAAACAAAAAAAAAAAAAAA"/>
+                <pr:smNativeData xmlns:pr="smNativeData" xmlns="smNativeData" val="SMDATA_15_PhJKaRMAAAAlAAAAZAAAAA0AAAAAkAAAAEgAAACQAAAASAAAAAAAAAABAAAAAAAAAAEAAABQAAAAAAAAAAAA4D8AAAAAAADgPwAAAAAAAOA/AAAAAAAA4D8AAAAAAADgPwAAAAAAAOA/AAAAAAAA4D8AAAAAAADgPwAAAAAAAOA/AAAAAAAA4D8CAAAAjAAAAAAAAAAAAAAAu+DjDP///wgAAAAAAAAAAAAAAAAAAAAAAAAAAAAAAAAAAAAAZAAAAAEAAABAAAAAAAAAAAAAAAAAAAAAAAAAAAAAAAAAAAAAAAAAAAAAAAAAAAAAAAAAAAAAAAAAAAAAAAAAAAAAAAAAAAAAAAAAAAAAAAAAAAAAAAAAAAAAAAAAAAAAFAAAADwAAAAAAAAAAAAAAAAAAAkUAAAAAQAAABQAAAAUAAAAFAAAAAEAAAAAAAAAZAAAAGQAAAAAAAAAZAAAAGQAAAAVAAAAYAAAAAAAAAAAAAAADwAAACADAAAAAAAAAAAAAAEAAACgMgAAVgcAAKr4//8BAAAAf39/AAEAAABkAAAAAAAAABQAAABAHwAAAAAAACYAAAAAAAAAwOD//wAAAAAmAAAAZAAAABYAAABMAAAAAAAAAAAAAAAEAAAAAAAAAAEAAACAgIAKAAAAACgAAAAoAAAAZAAAAGQAAAAAAAAAzMzMAAAAAABQAAAAUAAAAGQAAABkAAAAAAAAABcAAAAUAAAAAAAAAAAAAAD/fwAA/38AAAAAAAAJAAAABAAAAAAAAAAeAAAAaAAAAAAAAAAAAAAAAAAAAAAAAAAAAAAAECcAABAnAAAAAAAAAAAAAAAAAAAAAAAAAAAAAAAAAAAAAAAAAAAAABQAAAAAAAAAwMD/AAAAAABkAAAAMgAAAAAAAABkAAAAAAAAAH9/fwAKAAAAIgAAABgAAAAAAAAAAAAAAAAAAAAAAAAAAAAAAAAAAAAkAAAAJAAAAAAAAAAHAAAAAAAAAAAAAAAAAAAAAAAAAAAAAAAAAAAAf39/ACUAAABYAAAAAAAAAAAAAAAAAAAAAAAAAAAAAAAAAAAAAAAAAAAAAAAAAAAAAAAAAAAAAAA/AAAAAAAAAKCGAQAAAAAAAAAAAAAAAAAMAAAAAQAAAAAAAAAAAAAAAAAAAB8AAABUAAAAAAAABQAAAAEAAAAAAAAAAAAAAAAAAAAAAAAAAAAAAAAAAAAAAAAAAAAAAAJ/f38AAAAAA8zMzADAwP8Af39/AAAAAAAAAAAAAAAAAAAAAAAAAAAAIQAAABgAAAAUAAAAwAMAALABAABARwAAuAgAABAAAAAmAAAACAAAAAAAAAAAAAAA"/>
               </a:ext>
             </a:extLst>
           </p:cNvSpPr>
@@ -3976,6 +3972,169 @@
           <a:p>
             <a:pPr/>
             <a:r>
+              <a:t>CNN = Convolutional Neural Net</a:t>
+            </a:r>
+          </a:p>
+        </p:txBody>
+      </p:sp>
+      <p:sp>
+        <p:nvSpPr>
+          <p:cNvPr id="3" name="SlideText1"/>
+          <p:cNvSpPr>
+            <a:spLocks noGrp="1" noChangeArrowheads="1"/>
+            <a:extLst>
+              <a:ext uri="smNativeData">
+                <pr:smNativeData xmlns:pr="smNativeData" xmlns="smNativeData" val="SMDATA_15_PhJKaRMAAAAlAAAAZAAAAA0AAAAAkAAAAEgAAACQAAAASAAAAAAAAAAAAAAAAAAAAAEAAABQAAAAAAAAAAAA4D8AAAAAAADgPwAAAAAAAOA/AAAAAAAA4D8AAAAAAADgPwAAAAAAAOA/AAAAAAAA4D8AAAAAAADgPwAAAAAAAOA/AAAAAAAA4D8CAAAAjAAAAAAAAAAAAAAAu+DjDP///wgAAAAAAAAAAAAAAAAAAAAAAAAAAAAAAAAAAAAAZAAAAAEAAABAAAAAAAAAAAAAAAAAAAAAAAAAAAAAAAAAAAAAAAAAAAAAAAAAAAAAAAAAAAAAAAAAAAAAAAAAAAAAAAAAAAAAAAAAAAAAAAAAAAAAAAAAAAAAAAAAAAAAFAAAADwAAAAAAAAAAAAAAAAAAAkUAAAAAQAAABQAAAAUAAAAFAAAAAEAAAAAAAAAZAAAAGQAAAAAAAAAZAAAAGQAAAAVAAAAYAAAAAAAAAAAAAAADwAAACADAAAAAAAAAAAAAAEAAACgMgAAVgcAAKr4//8BAAAAf39/AAEAAABkAAAAAAAAABQAAABAHwAAAAAAACYAAAAAAAAAwOD//wAAAAAmAAAAZAAAABYAAABMAAAAAAAAAAAAAAAEAAAAAAAAAAEAAACAgIAKAAAAACgAAAAoAAAAZAAAAGQAAAAAAAAAzMzMAAAAAABQAAAAUAAAAGQAAABkAAAAAAAAABcAAAAUAAAAAAAAAAAAAAD/fwAA/38AAAAAAAAJAAAABAAAAF8AYAAeAAAAaAAAAAAAAAAAAAAAAAAAAAAAAAAAAAAAECcAABAnAAAAAAAAAAAAAAAAAAAAAAAAAAAAAAAAAAAAAAAAAAAAABQAAAAAAAAAwMD/AAAAAABkAAAAMgAAAAAAAABkAAAAAAAAAH9/fwAKAAAAIgAAABgAAAAAAAAAAAAAAAAAAAAAAAAAAAAAAAAAAAAkAAAAJAAAAAAAAAAHAAAAAAAAAAAAAAAAAAAAAAAAAAAAAAAAAAAAf39/ACUAAABYAAAAAAAAAAAAAAAAAAAAAAAAAAAAAAAAAAAAAAAAAAAAAAAAAAAAAAAAAAAAAAA/AAAAAAAAAKCGAQAAAAAAAAAAAAAAAAAMAAAAAQAAAAAAAAAAAAAAAAAAAB8AAABUAAAAAAAABQAAAAEAAAAAAAAAAAAAAAAAAAAAAAAAAAAAAAAAAAAAAAAAAAAAAAJ/f38AAAAAA8zMzADAwP8Af39/AAAAAAAAAAAAAAAAAAAAAAAAAAAAIQAAABgAAAAUAAAAwAMAANgJAABARwAAsCUAABAAAAAmAAAACAAAAAAAAAAAAAAA"/>
+              </a:ext>
+            </a:extLst>
+          </p:cNvSpPr>
+          <p:nvPr>
+            <p:ph type="body" idx="1"/>
+          </p:nvPr>
+        </p:nvSpPr>
+        <p:spPr/>
+        <p:txBody>
+          <a:bodyPr/>
+          <a:lstStyle/>
+          <a:p>
+            <a:pPr>
+              <a:defRPr sz="2800" cap="none"/>
+            </a:pPr>
+            <a:r>
+              <a:t>Convolution combines two math functions to produce a third</a:t>
+            </a:r>
+          </a:p>
+          <a:p>
+            <a:pPr lvl="1">
+              <a:defRPr sz="2400" cap="none"/>
+            </a:pPr>
+            <a:r>
+              <a:t>Conv2D is used for 2D-image convolution</a:t>
+            </a:r>
+          </a:p>
+          <a:p>
+            <a:pPr>
+              <a:defRPr sz="2800" cap="none"/>
+            </a:pPr>
+            <a:r>
+              <a:t>In image recognition, images are filtered for various features</a:t>
+            </a:r>
+          </a:p>
+          <a:p>
+            <a:pPr lvl="1">
+              <a:defRPr sz="2400" cap="none"/>
+            </a:pPr>
+            <a:r>
+              <a:t>Kernels = learnable filters that are adjusted during training</a:t>
+            </a:r>
+          </a:p>
+          <a:p>
+            <a:pPr lvl="1">
+              <a:defRPr sz="2400" cap="none"/>
+            </a:pPr>
+            <a:r>
+              <a:t>Detect on the filtered image (ReLU)</a:t>
+            </a:r>
+          </a:p>
+          <a:p>
+            <a:pPr>
+              <a:defRPr sz="2800" cap="none"/>
+            </a:pPr>
+            <a:r>
+              <a:t>The filters/kernels are slid over the input image to create a product at each position, followed by summation to produce an output feature map</a:t>
+            </a:r>
+          </a:p>
+          <a:p>
+            <a:pPr>
+              <a:defRPr sz="2800" cap="none"/>
+            </a:pPr>
+            <a:r>
+              <a:t>bias = offsets or shift adjustment</a:t>
+            </a:r>
+          </a:p>
+          <a:p>
+            <a:pPr>
+              <a:defRPr sz="2800" cap="none"/>
+            </a:pPr>
+            <a:r>
+              <a:t>CNN usually uses multiple filters simultaneously</a:t>
+            </a:r>
+          </a:p>
+          <a:p>
+            <a:pPr lvl="1">
+              <a:defRPr sz="2400" cap="none"/>
+            </a:pPr>
+            <a:r>
+              <a:t>Many features in each layer</a:t>
+            </a:r>
+          </a:p>
+          <a:p>
+            <a:pPr lvl="1"/>
+            <a:r>
+              <a:rPr sz="2400" cap="none"/>
+              <a:t>Many layers allow complex heirarchical combos of features</a:t>
+            </a:r>
+            <a:endParaRPr sz="2400" cap="none"/>
+          </a:p>
+          <a:p>
+            <a:pPr lvl="1"/>
+          </a:p>
+        </p:txBody>
+      </p:sp>
+    </p:spTree>
+  </p:cSld>
+  <p:clrMapOvr>
+    <a:masterClrMapping/>
+  </p:clrMapOvr>
+  <p:timing>
+    <p:tnLst>
+      <p:par>
+        <p:cTn id="1" dur="indefinite" restart="never" nodeType="tmRoot"/>
+      </p:par>
+    </p:tnLst>
+  </p:timing>
+</p:sld>
+</file>
+
+<file path=ppt/slides/slide12.xml><?xml version="1.0" encoding="utf-8"?>
+<p:sld xmlns:p="http://schemas.openxmlformats.org/presentationml/2006/main" xmlns:mc="http://schemas.openxmlformats.org/markup-compatibility/2006" xmlns:p14="http://schemas.microsoft.com/office/powerpoint/2010/main" xmlns:p15="http://schemas.microsoft.com/office/powerpoint/2012/main" xmlns:r="http://schemas.openxmlformats.org/officeDocument/2006/relationships" xmlns:a="http://schemas.openxmlformats.org/drawingml/2006/main" mc:Ignorable="p14">
+  <p:cSld>
+    <p:spTree>
+      <p:nvGrpSpPr>
+        <p:cNvPr id="1" name=""/>
+        <p:cNvGrpSpPr/>
+        <p:nvPr/>
+      </p:nvGrpSpPr>
+      <p:grpSpPr>
+        <a:xfrm>
+          <a:off x="0" y="0"/>
+          <a:ext cx="0" cy="0"/>
+          <a:chOff x="0" y="0"/>
+          <a:chExt cx="0" cy="0"/>
+        </a:xfrm>
+      </p:grpSpPr>
+      <p:sp>
+        <p:nvSpPr>
+          <p:cNvPr id="2" name="SlideTitle1"/>
+          <p:cNvSpPr>
+            <a:spLocks noGrp="1" noChangeArrowheads="1"/>
+            <a:extLst>
+              <a:ext uri="smNativeData">
+                <pr:smNativeData xmlns:pr="smNativeData" xmlns="smNativeData" val="SMDATA_15_PhJKaRMAAAAlAAAAZAAAAA0AAAAAkAAAAEgAAACQAAAASAAAAAAAAAABAAAAAAAAAAEAAABQAAAAAAAAAAAA4D8AAAAAAADgPwAAAAAAAOA/AAAAAAAA4D8AAAAAAADgPwAAAAAAAOA/AAAAAAAA4D8AAAAAAADgPwAAAAAAAOA/AAAAAAAA4D8CAAAAjAAAAAAAAAAAAAAAu+DjDP///wgAAAAAAAAAAAAAAAAAAAAAAAAAAAAAAAAAAAAAZAAAAAEAAABAAAAAAAAAAAAAAAAAAAAAAAAAAAAAAAAAAAAAAAAAAAAAAAAAAAAAAAAAAAAAAAAAAAAAAAAAAAAAAAAAAAAAAAAAAAAAAAAAAAAAAAAAAAAAAAAAAAAAFAAAADwAAAAAAAAAAAAAAAAAAAkUAAAAAQAAABQAAAAUAAAAFAAAAAEAAAAAAAAAZAAAAGQAAAAAAAAAZAAAAGQAAAAVAAAAYAAAAAAAAAAAAAAADwAAACADAAAAAAAAAAAAAAEAAACgMgAAVgcAAKr4//8BAAAAf39/AAEAAABkAAAAAAAAABQAAABAHwAAAAAAACYAAAAAAAAAwOD//wAAAAAmAAAAZAAAABYAAABMAAAAAAAAAAAAAAAEAAAAAAAAAAEAAACAgIAKAAAAACgAAAAoAAAAZAAAAGQAAAAAAAAAzMzMAAAAAABQAAAAUAAAAGQAAABkAAAAAAAAABcAAAAUAAAAAAAAAAAAAAD/fwAA/38AAAAAAAAJAAAABAAAAF8AYAAeAAAAaAAAAAAAAAAAAAAAAAAAAAAAAAAAAAAAECcAABAnAAAAAAAAAAAAAAAAAAAAAAAAAAAAAAAAAAAAAAAAAAAAABQAAAAAAAAAwMD/AAAAAABkAAAAMgAAAAAAAABkAAAAAAAAAH9/fwAKAAAAIgAAABgAAAAAAAAAAAAAAAAAAAAAAAAAAAAAAAAAAAAkAAAAJAAAAAAAAAAHAAAAAAAAAAAAAAAAAAAAAAAAAAAAAAAAAAAAf39/ACUAAABYAAAAAAAAAAAAAAAAAAAAAAAAAAAAAAAAAAAAAAAAAAAAAAAAAAAAAAAAAAAAAAA/AAAAAAAAAKCGAQAAAAAAAAAAAAAAAAAMAAAAAQAAAAAAAAAAAAAAAAAAAB8AAABUAAAAAAAABQAAAAEAAAAAAAAAAAAAAAAAAAAAAAAAAAAAAAAAAAAAAAAAAAAAAAJ/f38AAAAAA8zMzADAwP8Af39/AAAAAAAAAAAAAAAAAAAAAAAAAAAAIQAAABgAAAAUAAAAwAMAALABAABARwAAuAgAABAAAAAmAAAACAAAAAAAAAAAAAAA"/>
+              </a:ext>
+            </a:extLst>
+          </p:cNvSpPr>
+          <p:nvPr>
+            <p:ph type="title"/>
+          </p:nvPr>
+        </p:nvSpPr>
+        <p:spPr/>
+        <p:txBody>
+          <a:bodyPr/>
+          <a:lstStyle/>
+          <a:p>
+            <a:pPr/>
+            <a:r>
               <a:t>ReLU function</a:t>
             </a:r>
           </a:p>
@@ -3994,7 +4153,7 @@
             <a:spLocks noGrp="1" noChangeArrowheads="1"/>
             <a:extLst>
               <a:ext uri="smNativeData">
-                <pr:smNativeData xmlns:pr="smNativeData" xmlns="smNativeData" val="SMDATA_15_D/RJaRMAAAAlAAAAZAAAAA0AAAAAkAAAAEgAAACQAAAASAAAAAAAAAAAAAAAAAAAAAEAAABQAAAAAAAAAAAA4D8AAAAAAADgPwAAAAAAAOA/AAAAAAAA4D8AAAAAAADgPwAAAAAAAOA/AAAAAAAA4D8AAAAAAADgPwAAAAAAAOA/AAAAAAAA4D8CAAAAjAAAAAAAAAAAAAAAu+DjDP///wgAAAAAAAAAAAAAAAAAAAAAAAAAAAAAAAAAAAAAZAAAAAEAAABAAAAAAAAAAAAAAAAAAAAAAAAAAAAAAAAAAAAAAAAAAAAAAAAAAAAAAAAAAAAAAAAAAAAAAAAAAAAAAAAAAAAAAAAAAAAAAAAAAAAAAAAAAAAAAAAAAAAAFAAAADwAAAAAAAAAAAAAAAAAAAkUAAAAAQAAABQAAAAUAAAAFAAAAAEAAAAAAAAAZAAAAGQAAAAAAAAAZAAAAGQAAAAVAAAAYAAAAAAAAAAAAAAADwAAACADAAAAAAAAAAAAAAEAAACgMgAAVgcAAKr4//8BAAAAf39/AAEAAABkAAAAAAAAABQAAABAHwAAAAAAACYAAAAAAAAAwOD//wAAAAAmAAAAZAAAABYAAABMAAAAAAAAAAAAAAAEAAAAAAAAAAEAAACAgIAKAAAAACgAAAAoAAAAZAAAAGQAAAAAAAAAzMzMAAAAAABQAAAAUAAAAGQAAABkAAAAAAAAABcAAAAUAAAAAAAAAAAAAAD/fwAA/38AAAAAAAAJAAAABAAAAF8AYAAeAAAAaAAAAAAAAAAAAAAAAAAAAAAAAAAAAAAAECcAABAnAAAAAAAAAAAAAAAAAAAAAAAAAAAAAAAAAAAAAAAAAAAAABQAAAAAAAAAwMD/AAAAAABkAAAAMgAAAAAAAABkAAAAAAAAAH9/fwAKAAAAIgAAABgAAAAAAAAAAAAAAAAAAAAAAAAAAAAAAAAAAAAkAAAAJAAAAAAAAAAHAAAAAAAAAAAAAAAAAAAAAAAAAAAAAAAAAAAAf39/ACUAAABYAAAAAAAAAAAAAAAAAAAAAAAAAAAAAAAAAAAAAAAAAAAAAAAAAAAAAAAAAAAAAAA/AAAAAAAAAKCGAQAAAAAAAAAAAAAAAAAMAAAAAQAAAAAAAAAAAAAAAAAAAB8AAABUAAAAAAAABQAAAAEAAAAAAAAAAAAAAAAAAAAAAAAAAAAAAAAAAAAAAAAAAAAAAAJ/f38AAAAAA8zMzADAwP8Af39/AAAAAAAAAAAAAAAAAAAAAAAAAAAAIQAAABgAAAAUAAAAwAMAANgJAAARRwAAihIAABAAAAAmAAAACAAAAAEAAAAAAAAA"/>
+                <pr:smNativeData xmlns:pr="smNativeData" xmlns="smNativeData" val="SMDATA_15_PhJKaRMAAAAlAAAAZAAAAA0AAAAAkAAAAEgAAACQAAAASAAAAAAAAAAAAAAAAAAAAAEAAABQAAAAAAAAAAAA4D8AAAAAAADgPwAAAAAAAOA/AAAAAAAA4D8AAAAAAADgPwAAAAAAAOA/AAAAAAAA4D8AAAAAAADgPwAAAAAAAOA/AAAAAAAA4D8CAAAAjAAAAAAAAAAAAAAAu+DjDP///wgAAAAAAAAAAAAAAAAAAAAAAAAAAAAAAAAAAAAAZAAAAAEAAABAAAAAAAAAAAAAAAAAAAAAAAAAAAAAAAAAAAAAAAAAAAAAAAAAAAAAAAAAAAAAAAAAAAAAAAAAAAAAAAAAAAAAAAAAAAAAAAAAAAAAAAAAAAAAAAAAAAAAFAAAADwAAAAAAAAAAAAAAAAAAAkUAAAAAQAAABQAAAAUAAAAFAAAAAEAAAAAAAAAZAAAAGQAAAAAAAAAZAAAAGQAAAAVAAAAYAAAAAAAAAAAAAAADwAAACADAAAAAAAAAAAAAAEAAACgMgAAVgcAAKr4//8BAAAAf39/AAEAAABkAAAAAAAAABQAAABAHwAAAAAAACYAAAAAAAAAwOD//wAAAAAmAAAAZAAAABYAAABMAAAAAAAAAAAAAAAEAAAAAAAAAAEAAACAgIAKAAAAACgAAAAoAAAAZAAAAGQAAAAAAAAAzMzMAAAAAABQAAAAUAAAAGQAAABkAAAAAAAAABcAAAAUAAAAAAAAAAAAAAD/fwAA/38AAAAAAAAJAAAABAAAAF8AYAAeAAAAaAAAAAAAAAAAAAAAAAAAAAAAAAAAAAAAECcAABAnAAAAAAAAAAAAAAAAAAAAAAAAAAAAAAAAAAAAAAAAAAAAABQAAAAAAAAAwMD/AAAAAABkAAAAMgAAAAAAAABkAAAAAAAAAH9/fwAKAAAAIgAAABgAAAAAAAAAAAAAAAAAAAAAAAAAAAAAAAAAAAAkAAAAJAAAAAAAAAAHAAAAAAAAAAAAAAAAAAAAAAAAAAAAAAAAAAAAf39/ACUAAABYAAAAAAAAAAAAAAAAAAAAAAAAAAAAAAAAAAAAAAAAAAAAAAAAAAAAAAAAAAAAAAA/AAAAAAAAAKCGAQAAAAAAAAAAAAAAAAAMAAAAAQAAAAAAAAAAAAAAAAAAAB8AAABUAAAAAAAABQAAAAEAAAAAAAAAAAAAAAAAAAAAAAAAAAAAAAAAAAAAAAAAAAAAAAJ/f38AAAAAA8zMzADAwP8Af39/AAAAAAAAAAAAAAAAAAAAAAAAAAAAIQAAABgAAAAUAAAAwAMAANgJAAARRwAAihIAABAAAAAmAAAACAAAAAEAAAAAAAAA"/>
               </a:ext>
             </a:extLst>
           </p:cNvSpPr>
@@ -4059,7 +4218,7 @@
             <a:picLocks noChangeAspect="1"/>
             <a:extLst>
               <a:ext uri="smNativeData">
-                <pr:smNativeData xmlns:pr="smNativeData" xmlns="smNativeData" val="SMDATA_17_D/RJaRMAAAAlAAAAEQAAAC8BAAAAkAAAAEgAAACQAAAASAAAAAAAAAAAAAAAAAAAAAEAAABQAAAAAAAAAAAA4D8AAAAAAADgPwAAAAAAAOA/AAAAAAAA4D8AAAAAAADgPwAAAAAAAOA/AAAAAAAA4D8AAAAAAADgPwAAAAAAAOA/AAAAAAAA4D8CAAAAjAAAAAAAAAAAAAAAu+DjDP///wgAAAAAAAAAAAAAAAAAAAAAAAAAAAAAAAAAAAAAZAAAAAEAAABAAAAAAAAAAAAAAAAAAAAAAAAAAAAAAAAAAAAAAAAAAAAAAAAAAAAAAAAAAAAAAAAAAAAAAAAAAAAAAAAAAAAAAAAAAAAAAAAAAAAAAAAAAAAAAAAAAAAAFAAAADwAAAAAAAAAAAAAAAAAAAkUAAAAAQAAABQAAAAUAAAAFAAAAAEAAAAAAAAAZAAAAGQAAAAAAAAAZAAAAGQAAAAVAAAAYAAAAAAAAAAAAAAADwAAACADAAAAAAAAAAAAAAEAAACgMgAAVgcAAKr4//8BAAAAf39/AAEAAABkAAAAAAAAABQAAABAHwAAAAAAACYAAAAAAAAAwOD//wAAAAAmAAAAZAAAABYAAABMAAAAAAAAAAAAAAAEAAAAAAAAAAEAAACAgIAKAAAAACgAAAAoAAAAZAAAAGQAAAAAAAAAzMzMAAAAAABQAAAAUAAAAGQAAABkAAAAAAAAAAcAAAA4AAAAAAAAAAAAAAAAAAAA////AAAAAAAAAAAAAAAAAAAAAAAAAAAAAAAAAAAAAABkAAAAZAAAAAAAAAAjAAAABAAAAGQAAAAXAAAAFAAAAAAAAAAAAAAA/38AAP9/AAAAAAAACQAAAAQAAADXMc/nHgAAAGgAAAAAAAAAAAAAAAAAAAAAAAAAAAAAABAnAAAQJwAAAAAAAAAAAAAAAAAAAAAAAAAAAAAAAAAAAAAAAAAAAAAUAAAAAAAAAMDA/wAAAAAAZAAAADIAAAAAAAAAZAAAAAAAAAB/f38ACgAAACIAAAAYAAAAAAAAAAAAAAAAAAAAAAAAAAAAAAAAAAAAJAAAACQAAAAAAAAABwAAAAAAAAAAAAAAAAAAAAAAAAAAAAAAAAAAAH9/fwAlAAAAWAAAAAAAAAAAAAAAAAAAAAAAAAAAAAAAAAAAAAAAAAAAAAAAAAAAAAAAAAAAAAAAPwAAAAAAAACghgEAAAAAAAAAAAAAAAAADAAAAAEAAAAAAAAAAAAAAAAAAAAfAAAAVAAAALvg4wX///8BAAAAAAAAAAAAAAAAAAAAAAAAAAAAAAAAAAAAAAAAAAAAAAACf39/AICAgAPMzMwAwMD/AH9/fwAAAAAAAAAAAAAAAAD///8AAAAAACEAAAAYAAAAFAAAACITAAC4FgAAyi4AANgmAAAQAAAAJgAAAAgAAAD//////////w=="/>
+                <pr:smNativeData xmlns:pr="smNativeData" xmlns="smNativeData" val="SMDATA_17_PhJKaRMAAAAlAAAAEQAAAC8BAAAAkAAAAEgAAACQAAAASAAAAAAAAAAAAAAAAAAAAAEAAABQAAAAAAAAAAAA4D8AAAAAAADgPwAAAAAAAOA/AAAAAAAA4D8AAAAAAADgPwAAAAAAAOA/AAAAAAAA4D8AAAAAAADgPwAAAAAAAOA/AAAAAAAA4D8CAAAAjAAAAAAAAAAAAAAAu+DjDP///wgAAAAAAAAAAAAAAAAAAAAAAAAAAAAAAAAAAAAAZAAAAAEAAABAAAAAAAAAAAAAAAAAAAAAAAAAAAAAAAAAAAAAAAAAAAAAAAAAAAAAAAAAAAAAAAAAAAAAAAAAAAAAAAAAAAAAAAAAAAAAAAAAAAAAAAAAAAAAAAAAAAAAFAAAADwAAAAAAAAAAAAAAAAAAAkUAAAAAQAAABQAAAAUAAAAFAAAAAEAAAAAAAAAZAAAAGQAAAAAAAAAZAAAAGQAAAAVAAAAYAAAAAAAAAAAAAAADwAAACADAAAAAAAAAAAAAAEAAACgMgAAVgcAAKr4//8BAAAAf39/AAEAAABkAAAAAAAAABQAAABAHwAAAAAAACYAAAAAAAAAwOD//wAAAAAmAAAAZAAAABYAAABMAAAAAAAAAAAAAAAEAAAAAAAAAAEAAACAgIAKAAAAACgAAAAoAAAAZAAAAGQAAAAAAAAAzMzMAAAAAABQAAAAUAAAAGQAAABkAAAAAAAAAAcAAAA4AAAAAAAAAAAAAAAAAAAA////AAAAAAAAAAAAAAAAAAAAAAAAAAAAAAAAAAAAAABkAAAAZAAAAAAAAAAjAAAABAAAAGQAAAAXAAAAFAAAAAAAAAAAAAAA/38AAP9/AAAAAAAACQAAAAQAAADXMc/nHgAAAGgAAAAAAAAAAAAAAAAAAAAAAAAAAAAAABAnAAAQJwAAAAAAAAAAAAAAAAAAAAAAAAAAAAAAAAAAAAAAAAAAAAAUAAAAAAAAAMDA/wAAAAAAZAAAADIAAAAAAAAAZAAAAAAAAAB/f38ACgAAACIAAAAYAAAAAAAAAAAAAAAAAAAAAAAAAAAAAAAAAAAAJAAAACQAAAAAAAAABwAAAAAAAAAAAAAAAAAAAAAAAAAAAAAAAAAAAH9/fwAlAAAAWAAAAAAAAAAAAAAAAAAAAAAAAAAAAAAAAAAAAAAAAAAAAAAAAAAAAAAAAAAAAAAAPwAAAAAAAACghgEAAAAAAAAAAAAAAAAADAAAAAEAAAAAAAAAAAAAAAAAAAAfAAAAVAAAALvg4wX///8BAAAAAAAAAAAAAAAAAAAAAAAAAAAAAAAAAAAAAAAAAAAAAAACf39/AICAgAPMzMwAwMD/AH9/fwAAAAAAAAAAAAAAAAD///8AAAAAACEAAAAYAAAAFAAAACITAAC4FgAAyi4AANgmAAAQAAAAJgAAAAgAAAD//////////w=="/>
               </a:ext>
             </a:extLst>
           </p:cNvPicPr>
@@ -4101,104 +4260,6 @@
 </p:sld>
 </file>
 
-<file path=ppt/slides/slide12.xml><?xml version="1.0" encoding="utf-8"?>
-<p:sld xmlns:p="http://schemas.openxmlformats.org/presentationml/2006/main" xmlns:mc="http://schemas.openxmlformats.org/markup-compatibility/2006" xmlns:p14="http://schemas.microsoft.com/office/powerpoint/2010/main" xmlns:p15="http://schemas.microsoft.com/office/powerpoint/2012/main" xmlns:r="http://schemas.openxmlformats.org/officeDocument/2006/relationships" xmlns:a="http://schemas.openxmlformats.org/drawingml/2006/main" mc:Ignorable="p14">
-  <p:cSld>
-    <p:spTree>
-      <p:nvGrpSpPr>
-        <p:cNvPr id="1" name=""/>
-        <p:cNvGrpSpPr/>
-        <p:nvPr/>
-      </p:nvGrpSpPr>
-      <p:grpSpPr>
-        <a:xfrm>
-          <a:off x="0" y="0"/>
-          <a:ext cx="0" cy="0"/>
-          <a:chOff x="0" y="0"/>
-          <a:chExt cx="0" cy="0"/>
-        </a:xfrm>
-      </p:grpSpPr>
-      <p:sp>
-        <p:nvSpPr>
-          <p:cNvPr id="2" name="SlideTitle1"/>
-          <p:cNvSpPr>
-            <a:spLocks noGrp="1" noChangeArrowheads="1"/>
-            <a:extLst>
-              <a:ext uri="smNativeData">
-                <pr:smNativeData xmlns:pr="smNativeData" xmlns="smNativeData" val="SMDATA_15_D/RJaRMAAAAlAAAAZAAAAA0AAAAAkAAAAEgAAACQAAAASAAAAAAAAAABAAAAAAAAAAEAAABQAAAAAAAAAAAA4D8AAAAAAADgPwAAAAAAAOA/AAAAAAAA4D8AAAAAAADgPwAAAAAAAOA/AAAAAAAA4D8AAAAAAADgPwAAAAAAAOA/AAAAAAAA4D8CAAAAjAAAAAAAAAAAAAAAu+DjDP///wgAAAAAAAAAAAAAAAAAAAAAAAAAAAAAAAAAAAAAZAAAAAEAAABAAAAAAAAAAAAAAAAAAAAAAAAAAAAAAAAAAAAAAAAAAAAAAAAAAAAAAAAAAAAAAAAAAAAAAAAAAAAAAAAAAAAAAAAAAAAAAAAAAAAAAAAAAAAAAAAAAAAAFAAAADwAAAAAAAAAAAAAAAAAAAkUAAAAAQAAABQAAAAUAAAAFAAAAAEAAAAAAAAAZAAAAGQAAAAAAAAAZAAAAGQAAAAVAAAAYAAAAAAAAAAAAAAADwAAACADAAAAAAAAAAAAAAEAAACgMgAAVgcAAKr4//8BAAAAf39/AAEAAABkAAAAAAAAABQAAABAHwAAAAAAACYAAAAAAAAAwOD//wAAAAAmAAAAZAAAABYAAABMAAAAAAAAAAAAAAAEAAAAAAAAAAEAAACAgIAKAAAAACgAAAAoAAAAZAAAAGQAAAAAAAAAzMzMAAAAAABQAAAAUAAAAGQAAABkAAAAAAAAABcAAAAUAAAAAAAAAAAAAAD/fwAA/38AAAAAAAAJAAAABAAAAF8AYAAeAAAAaAAAAAAAAAAAAAAAAAAAAAAAAAAAAAAAECcAABAnAAAAAAAAAAAAAAAAAAAAAAAAAAAAAAAAAAAAAAAAAAAAABQAAAAAAAAAwMD/AAAAAABkAAAAMgAAAAAAAABkAAAAAAAAAH9/fwAKAAAAIgAAABgAAAAAAAAAAAAAAAAAAAAAAAAAAAAAAAAAAAAkAAAAJAAAAAAAAAAHAAAAAAAAAAAAAAAAAAAAAAAAAAAAAAAAAAAAf39/ACUAAABYAAAAAAAAAAAAAAAAAAAAAAAAAAAAAAAAAAAAAAAAAAAAAAAAAAAAAAAAAAAAAAA/AAAAAAAAAKCGAQAAAAAAAAAAAAAAAAAMAAAAAQAAAAAAAAAAAAAAAAAAAB8AAABUAAAAAAAABQAAAAEAAAAAAAAAAAAAAAAAAAAAAAAAAAAAAAAAAAAAAAAAAAAAAAJ/f38AAAAAA8zMzADAwP8Af39/AAAAAAAAAAAAAAAAAAAAAAAAAAAAIQAAABgAAAAUAAAAwAMAALABAABARwAAuAgAABAAAAAmAAAACAAAAAAAAAAAAAAA"/>
-              </a:ext>
-            </a:extLst>
-          </p:cNvSpPr>
-          <p:nvPr>
-            <p:ph type="title"/>
-          </p:nvPr>
-        </p:nvSpPr>
-        <p:spPr/>
-        <p:txBody>
-          <a:bodyPr/>
-          <a:lstStyle/>
-          <a:p>
-            <a:pPr/>
-            <a:r>
-              <a:t>Fully connected layers at end</a:t>
-            </a:r>
-          </a:p>
-          <a:p>
-            <a:pPr/>
-            <a:r>
-              <a:t>for classification or regression tasks</a:t>
-            </a:r>
-          </a:p>
-        </p:txBody>
-      </p:sp>
-      <p:sp>
-        <p:nvSpPr>
-          <p:cNvPr id="3" name="SlideText1"/>
-          <p:cNvSpPr>
-            <a:spLocks noGrp="1" noChangeArrowheads="1"/>
-            <a:extLst>
-              <a:ext uri="smNativeData">
-                <pr:smNativeData xmlns:pr="smNativeData" xmlns="smNativeData" val="SMDATA_15_D/RJaRMAAAAlAAAAZAAAAA0AAAAAkAAAAEgAAACQAAAASAAAAAAAAAAAAAAAAAAAAAEAAABQAAAAAAAAAAAA4D8AAAAAAADgPwAAAAAAAOA/AAAAAAAA4D8AAAAAAADgPwAAAAAAAOA/AAAAAAAA4D8AAAAAAADgPwAAAAAAAOA/AAAAAAAA4D8CAAAAjAAAAAAAAAAAAAAAu+DjDP///wgAAAAAAAAAAAAAAAAAAAAAAAAAAAAAAAAAAAAAZAAAAAEAAABAAAAAAAAAAAAAAAAAAAAAAAAAAAAAAAAAAAAAAAAAAAAAAAAAAAAAAAAAAAAAAAAAAAAAAAAAAAAAAAAAAAAAAAAAAAAAAAAAAAAAAAAAAAAAAAAAAAAAFAAAADwAAAAAAAAAAAAAAAAAAAkUAAAAAQAAABQAAAAUAAAAFAAAAAEAAAAAAAAAZAAAAGQAAAAAAAAAZAAAAGQAAAAVAAAAYAAAAAAAAAAAAAAADwAAACADAAAAAAAAAAAAAAEAAACgMgAAVgcAAKr4//8BAAAAf39/AAEAAABkAAAAAAAAABQAAABAHwAAAAAAACYAAAAAAAAAwOD//wAAAAAmAAAAZAAAABYAAABMAAAAAAAAAAAAAAAEAAAAAAAAAAEAAACAgIAKAAAAACgAAAAoAAAAZAAAAGQAAAAAAAAAzMzMAAAAAABQAAAAUAAAAGQAAABkAAAAAAAAABcAAAAUAAAAAAAAAAAAAAD/fwAA/38AAAAAAAAJAAAABAAAAAAAAAAeAAAAaAAAAAAAAAAAAAAAAAAAAAAAAAAAAAAAECcAABAnAAAAAAAAAAAAAAAAAAAAAAAAAAAAAAAAAAAAAAAAAAAAABQAAAAAAAAAwMD/AAAAAABkAAAAMgAAAAAAAABkAAAAAAAAAH9/fwAKAAAAIgAAABgAAAAAAAAAAAAAAAAAAAAAAAAAAAAAAAAAAAAkAAAAJAAAAAAAAAAHAAAAAAAAAAAAAAAAAAAAAAAAAAAAAAAAAAAAf39/ACUAAABYAAAAAAAAAAAAAAAAAAAAAAAAAAAAAAAAAAAAAAAAAAAAAAAAAAAAAAAAAAAAAAA/AAAAAAAAAKCGAQAAAAAAAAAAAAAAAAAMAAAAAQAAAAAAAAAAAAAAAAAAAB8AAABUAAAAAAAABQAAAAEAAAAAAAAAAAAAAAAAAAAAAAAAAAAAAAAAAAAAAAAAAAAAAAJ/f38AAAAAA8zMzADAwP8Af39/AAAAAAAAAAAAAAAAAAAAAAAAAAAAIQAAABgAAAAUAAAAwAMAANgJAABARwAAsCUAABAAAAAmAAAACAAAAAAAAAAAAAAA"/>
-              </a:ext>
-            </a:extLst>
-          </p:cNvSpPr>
-          <p:nvPr>
-            <p:ph type="body" idx="1"/>
-          </p:nvPr>
-        </p:nvSpPr>
-        <p:spPr/>
-        <p:txBody>
-          <a:bodyPr/>
-          <a:lstStyle/>
-          <a:p>
-            <a:pPr/>
-            <a:r>
-              <a:t>Can be multiple fully connected layers</a:t>
-            </a:r>
-          </a:p>
-          <a:p>
-            <a:pPr/>
-            <a:r>
-              <a:t>Combines the previous convolutional layers to bring everything together to give final classification</a:t>
-            </a:r>
-          </a:p>
-        </p:txBody>
-      </p:sp>
-    </p:spTree>
-  </p:cSld>
-  <p:clrMapOvr>
-    <a:masterClrMapping/>
-  </p:clrMapOvr>
-  <p:timing>
-    <p:tnLst>
-      <p:par>
-        <p:cTn id="1" dur="indefinite" restart="never" nodeType="tmRoot"/>
-      </p:par>
-    </p:tnLst>
-  </p:timing>
-</p:sld>
-</file>
-
 <file path=ppt/slides/slide13.xml><?xml version="1.0" encoding="utf-8"?>
 <p:sld xmlns:p="http://schemas.openxmlformats.org/presentationml/2006/main" xmlns:mc="http://schemas.openxmlformats.org/markup-compatibility/2006" xmlns:p14="http://schemas.microsoft.com/office/powerpoint/2010/main" xmlns:p15="http://schemas.microsoft.com/office/powerpoint/2012/main" xmlns:r="http://schemas.openxmlformats.org/officeDocument/2006/relationships" xmlns:a="http://schemas.openxmlformats.org/drawingml/2006/main" mc:Ignorable="p14">
   <p:cSld>
@@ -4223,7 +4284,7 @@
             <a:spLocks noGrp="1" noChangeArrowheads="1"/>
             <a:extLst>
               <a:ext uri="smNativeData">
-                <pr:smNativeData xmlns:pr="smNativeData" xmlns="smNativeData" val="SMDATA_15_D/RJaRMAAAAlAAAAZAAAAA0AAAAAkAAAAEgAAACQAAAASAAAAAAAAAABAAAAAAAAAAEAAABQAAAAAAAAAAAA4D8AAAAAAADgPwAAAAAAAOA/AAAAAAAA4D8AAAAAAADgPwAAAAAAAOA/AAAAAAAA4D8AAAAAAADgPwAAAAAAAOA/AAAAAAAA4D8CAAAAjAAAAAAAAAAAAAAAu+DjDP///wgAAAAAAAAAAAAAAAAAAAAAAAAAAAAAAAAAAAAAZAAAAAEAAABAAAAAAAAAAAAAAAAAAAAAAAAAAAAAAAAAAAAAAAAAAAAAAAAAAAAAAAAAAAAAAAAAAAAAAAAAAAAAAAAAAAAAAAAAAAAAAAAAAAAAAAAAAAAAAAAAAAAAFAAAADwAAAAAAAAAAAAAAAAAAAkUAAAAAQAAABQAAAAUAAAAFAAAAAEAAAAAAAAAZAAAAGQAAAAAAAAAZAAAAGQAAAAVAAAAYAAAAAAAAAAAAAAADwAAACADAAAAAAAAAAAAAAEAAACgMgAAVgcAAKr4//8BAAAAf39/AAEAAABkAAAAAAAAABQAAABAHwAAAAAAACYAAAAAAAAAwOD//wAAAAAmAAAAZAAAABYAAABMAAAAAAAAAAAAAAAEAAAAAAAAAAEAAACAgIAKAAAAACgAAAAoAAAAZAAAAGQAAAAAAAAAzMzMAAAAAABQAAAAUAAAAGQAAABkAAAAAAAAABcAAAAUAAAAAAAAAAAAAAD/fwAA/38AAAAAAAAJAAAABAAAAF8AYAAeAAAAaAAAAAAAAAAAAAAAAAAAAAAAAAAAAAAAECcAABAnAAAAAAAAAAAAAAAAAAAAAAAAAAAAAAAAAAAAAAAAAAAAABQAAAAAAAAAwMD/AAAAAABkAAAAMgAAAAAAAABkAAAAAAAAAH9/fwAKAAAAIgAAABgAAAAAAAAAAAAAAAAAAAAAAAAAAAAAAAAAAAAkAAAAJAAAAAAAAAAHAAAAAAAAAAAAAAAAAAAAAAAAAAAAAAAAAAAAf39/ACUAAABYAAAAAAAAAAAAAAAAAAAAAAAAAAAAAAAAAAAAAAAAAAAAAAAAAAAAAAAAAAAAAAA/AAAAAAAAAKCGAQAAAAAAAAAAAAAAAAAMAAAAAQAAAAAAAAAAAAAAAAAAAB8AAABUAAAAAAAABQAAAAEAAAAAAAAAAAAAAAAAAAAAAAAAAAAAAAAAAAAAAAAAAAAAAAJ/f38AAAAAA8zMzADAwP8Af39/AAAAAAAAAAAAAAAAAAAAAAAAAAAAIQAAABgAAAAUAAAAwAMAALABAABARwAAuAgAABAAAAAmAAAACAAAAAAAAAAAAAAA"/>
+                <pr:smNativeData xmlns:pr="smNativeData" xmlns="smNativeData" val="SMDATA_15_PhJKaRMAAAAlAAAAZAAAAA0AAAAAkAAAAEgAAACQAAAASAAAAAAAAAABAAAAAAAAAAEAAABQAAAAAAAAAAAA4D8AAAAAAADgPwAAAAAAAOA/AAAAAAAA4D8AAAAAAADgPwAAAAAAAOA/AAAAAAAA4D8AAAAAAADgPwAAAAAAAOA/AAAAAAAA4D8CAAAAjAAAAAAAAAAAAAAAu+DjDP///wgAAAAAAAAAAAAAAAAAAAAAAAAAAAAAAAAAAAAAZAAAAAEAAABAAAAAAAAAAAAAAAAAAAAAAAAAAAAAAAAAAAAAAAAAAAAAAAAAAAAAAAAAAAAAAAAAAAAAAAAAAAAAAAAAAAAAAAAAAAAAAAAAAAAAAAAAAAAAAAAAAAAAFAAAADwAAAAAAAAAAAAAAAAAAAkUAAAAAQAAABQAAAAUAAAAFAAAAAEAAAAAAAAAZAAAAGQAAAAAAAAAZAAAAGQAAAAVAAAAYAAAAAAAAAAAAAAADwAAACADAAAAAAAAAAAAAAEAAACgMgAAVgcAAKr4//8BAAAAf39/AAEAAABkAAAAAAAAABQAAABAHwAAAAAAACYAAAAAAAAAwOD//wAAAAAmAAAAZAAAABYAAABMAAAAAAAAAAAAAAAEAAAAAAAAAAEAAACAgIAKAAAAACgAAAAoAAAAZAAAAGQAAAAAAAAAzMzMAAAAAABQAAAAUAAAAGQAAABkAAAAAAAAABcAAAAUAAAAAAAAAAAAAAD/fwAA/38AAAAAAAAJAAAABAAAAF8AYAAeAAAAaAAAAAAAAAAAAAAAAAAAAAAAAAAAAAAAECcAABAnAAAAAAAAAAAAAAAAAAAAAAAAAAAAAAAAAAAAAAAAAAAAABQAAAAAAAAAwMD/AAAAAABkAAAAMgAAAAAAAABkAAAAAAAAAH9/fwAKAAAAIgAAABgAAAAAAAAAAAAAAAAAAAAAAAAAAAAAAAAAAAAkAAAAJAAAAAAAAAAHAAAAAAAAAAAAAAAAAAAAAAAAAAAAAAAAAAAAf39/ACUAAABYAAAAAAAAAAAAAAAAAAAAAAAAAAAAAAAAAAAAAAAAAAAAAAAAAAAAAAAAAAAAAAA/AAAAAAAAAKCGAQAAAAAAAAAAAAAAAAAMAAAAAQAAAAAAAAAAAAAAAAAAAB8AAABUAAAAAAAABQAAAAEAAAAAAAAAAAAAAAAAAAAAAAAAAAAAAAAAAAAAAAAAAAAAAAJ/f38AAAAAA8zMzADAwP8Af39/AAAAAAAAAAAAAAAAAAAAAAAAAAAAIQAAABgAAAAUAAAAwAMAALABAABARwAAuAgAABAAAAAmAAAACAAAAAAAAAAAAAAA"/>
               </a:ext>
             </a:extLst>
           </p:cNvSpPr>
@@ -4238,13 +4299,13 @@
           <a:p>
             <a:pPr/>
             <a:r>
-              <a:t>Object Detection models</a:t>
-            </a:r>
-          </a:p>
-          <a:p>
-            <a:pPr/>
-            <a:r>
-              <a:t>recognize multiple objects in same image</a:t>
+              <a:t>Fully connected layers at end</a:t>
+            </a:r>
+          </a:p>
+          <a:p>
+            <a:pPr/>
+            <a:r>
+              <a:t>for classification or regression tasks</a:t>
             </a:r>
           </a:p>
         </p:txBody>
@@ -4256,7 +4317,7 @@
             <a:spLocks noGrp="1" noChangeArrowheads="1"/>
             <a:extLst>
               <a:ext uri="smNativeData">
-                <pr:smNativeData xmlns:pr="smNativeData" xmlns="smNativeData" val="SMDATA_15_D/RJaRMAAAAlAAAAZAAAAA0AAAAAkAAAAEgAAACQAAAASAAAAAAAAAAAAAAAAAAAAAEAAABQAAAAAAAAAAAA4D8AAAAAAADgPwAAAAAAAOA/AAAAAAAA4D8AAAAAAADgPwAAAAAAAOA/AAAAAAAA4D8AAAAAAADgPwAAAAAAAOA/AAAAAAAA4D8CAAAAjAAAAAAAAAAAAAAAu+DjDP///wgAAAAAAAAAAAAAAAAAAAAAAAAAAAAAAAAAAAAAZAAAAAEAAABAAAAAAAAAAAAAAAAAAAAAAAAAAAAAAAAAAAAAAAAAAAAAAAAAAAAAAAAAAAAAAAAAAAAAAAAAAAAAAAAAAAAAAAAAAAAAAAAAAAAAAAAAAAAAAAAAAAAAFAAAADwAAAAAAAAAAAAAAAAAAAkUAAAAAQAAABQAAAAUAAAAFAAAAAEAAAAAAAAAZAAAAGQAAAAAAAAAZAAAAGQAAAAVAAAAYAAAAAAAAAAAAAAADwAAACADAAAAAAAAAAAAAAEAAACgMgAAVgcAAKr4//8BAAAAf39/AAEAAABkAAAAAAAAABQAAABAHwAAAAAAACYAAAAAAAAAwOD//wAAAAAmAAAAZAAAABYAAABMAAAAAAAAAAAAAAAEAAAAAAAAAAEAAACAgIAKAAAAACgAAAAoAAAAZAAAAGQAAAAAAAAAzMzMAAAAAABQAAAAUAAAAGQAAABkAAAAAAAAABcAAAAUAAAAAAAAAAAAAAD/fwAA/38AAAAAAAAJAAAABAAAAF8AYAAeAAAAaAAAAAAAAAAAAAAAAAAAAAAAAAAAAAAAECcAABAnAAAAAAAAAAAAAAAAAAAAAAAAAAAAAAAAAAAAAAAAAAAAABQAAAAAAAAAwMD/AAAAAABkAAAAMgAAAAAAAABkAAAAAAAAAH9/fwAKAAAAIgAAABgAAAAAAAAAAAAAAAAAAAAAAAAAAAAAAAAAAAAkAAAAJAAAAAAAAAAHAAAAAAAAAAAAAAAAAAAAAAAAAAAAAAAAAAAAf39/ACUAAABYAAAAAAAAAAAAAAAAAAAAAAAAAAAAAAAAAAAAAAAAAAAAAAAAAAAAAAAAAAAAAAA/AAAAAAAAAKCGAQAAAAAAAAAAAAAAAAAMAAAAAQAAAAAAAAAAAAAAAAAAAB8AAABUAAAAAAAABQAAAAEAAAAAAAAAAAAAAAAAAAAAAAAAAAAAAAAAAAAAAAAAAAAAAAJ/f38AAAAAA8zMzADAwP8Af39/AAAAAAAAAAAAAAAAAAAAAAAAAAAAIQAAABgAAAAUAAAAwAMAANgJAABARwAAsCUAAAAAAAAmAAAACAAAAAEAAAAAAAAA"/>
+                <pr:smNativeData xmlns:pr="smNativeData" xmlns="smNativeData" val="SMDATA_15_PhJKaRMAAAAlAAAAZAAAAA0AAAAAkAAAAEgAAACQAAAASAAAAAAAAAAAAAAAAAAAAAEAAABQAAAAAAAAAAAA4D8AAAAAAADgPwAAAAAAAOA/AAAAAAAA4D8AAAAAAADgPwAAAAAAAOA/AAAAAAAA4D8AAAAAAADgPwAAAAAAAOA/AAAAAAAA4D8CAAAAjAAAAAAAAAAAAAAAu+DjDP///wgAAAAAAAAAAAAAAAAAAAAAAAAAAAAAAAAAAAAAZAAAAAEAAABAAAAAAAAAAAAAAAAAAAAAAAAAAAAAAAAAAAAAAAAAAAAAAAAAAAAAAAAAAAAAAAAAAAAAAAAAAAAAAAAAAAAAAAAAAAAAAAAAAAAAAAAAAAAAAAAAAAAAFAAAADwAAAAAAAAAAAAAAAAAAAkUAAAAAQAAABQAAAAUAAAAFAAAAAEAAAAAAAAAZAAAAGQAAAAAAAAAZAAAAGQAAAAVAAAAYAAAAAAAAAAAAAAADwAAACADAAAAAAAAAAAAAAEAAACgMgAAVgcAAKr4//8BAAAAf39/AAEAAABkAAAAAAAAABQAAABAHwAAAAAAACYAAAAAAAAAwOD//wAAAAAmAAAAZAAAABYAAABMAAAAAAAAAAAAAAAEAAAAAAAAAAEAAACAgIAKAAAAACgAAAAoAAAAZAAAAGQAAAAAAAAAzMzMAAAAAABQAAAAUAAAAGQAAABkAAAAAAAAABcAAAAUAAAAAAAAAAAAAAD/fwAA/38AAAAAAAAJAAAABAAAAAAAAAAeAAAAaAAAAAAAAAAAAAAAAAAAAAAAAAAAAAAAECcAABAnAAAAAAAAAAAAAAAAAAAAAAAAAAAAAAAAAAAAAAAAAAAAABQAAAAAAAAAwMD/AAAAAABkAAAAMgAAAAAAAABkAAAAAAAAAH9/fwAKAAAAIgAAABgAAAAAAAAAAAAAAAAAAAAAAAAAAAAAAAAAAAAkAAAAJAAAAAAAAAAHAAAAAAAAAAAAAAAAAAAAAAAAAAAAAAAAAAAAf39/ACUAAABYAAAAAAAAAAAAAAAAAAAAAAAAAAAAAAAAAAAAAAAAAAAAAAAAAAAAAAAAAAAAAAA/AAAAAAAAAKCGAQAAAAAAAAAAAAAAAAAMAAAAAQAAAAAAAAAAAAAAAAAAAB8AAABUAAAAAAAABQAAAAEAAAAAAAAAAAAAAAAAAAAAAAAAAAAAAAAAAAAAAAAAAAAAAAJ/f38AAAAAA8zMzADAwP8Af39/AAAAAAAAAAAAAAAAAAAAAAAAAAAAIQAAABgAAAAUAAAAwAMAANgJAABARwAAsCUAABAAAAAmAAAACAAAAAAAAAAAAAAA"/>
               </a:ext>
             </a:extLst>
           </p:cNvSpPr>
@@ -4264,92 +4325,21 @@
             <p:ph type="body" idx="1"/>
           </p:nvPr>
         </p:nvSpPr>
-        <p:spPr>
-          <a:xfrm>
-            <a:off x="609600" y="1600200"/>
-            <a:ext cx="10972800" cy="4526280"/>
-          </a:xfrm>
-        </p:spPr>
-        <p:txBody>
-          <a:bodyPr/>
-          <a:lstStyle/>
-          <a:p>
-            <a:pPr/>
-            <a:r>
-              <a:t>YOLO - You Only Look Once - single stage/pass</a:t>
-            </a:r>
-          </a:p>
-          <a:p>
-            <a:pPr lvl="1"/>
-            <a:r>
-              <a:t>Latest versions are v5 / v8 / v11</a:t>
-            </a:r>
-          </a:p>
-          <a:p>
-            <a:pPr lvl="2"/>
-            <a:r>
-              <a:t>v5: </a:t>
-            </a:r>
-            <a:r>
-              <a:rPr cap="none">
-                <a:hlinkClick r:id="rId2"/>
-              </a:rPr>
-              <a:t>https://github.com/ultralytics/yolov5</a:t>
-            </a:r>
-          </a:p>
-          <a:p>
-            <a:pPr lvl="2"/>
-            <a:r>
-              <a:t>v8: ?same as v11?</a:t>
-            </a:r>
-          </a:p>
-          <a:p>
-            <a:pPr lvl="2"/>
-            <a:r>
-              <a:t>v11: </a:t>
-            </a:r>
-            <a:r>
-              <a:rPr cap="none">
-                <a:hlinkClick r:id="rId3"/>
-              </a:rPr>
-              <a:t>https://github.com/ultralytics/ultralytics</a:t>
-            </a:r>
-          </a:p>
-          <a:p>
-            <a:pPr lvl="2"/>
-          </a:p>
-          <a:p>
-            <a:pPr/>
-            <a:r>
-              <a:t>Faster R-CNN - multiple stage</a:t>
-            </a:r>
-          </a:p>
-          <a:p>
-            <a:pPr lvl="2"/>
-            <a:r>
-              <a:t>RPN (Region Proposal Network) first, then classifies from there.</a:t>
-            </a:r>
-          </a:p>
-          <a:p>
-            <a:pPr lvl="2"/>
-            <a:r>
-              <a:t>Slower but more accurate especially for complex scenes &amp; small overlapping</a:t>
-            </a:r>
-          </a:p>
-          <a:p>
-            <a:pPr/>
-            <a:r>
-              <a:t>DETR - Detection Transformer</a:t>
-            </a:r>
-          </a:p>
-          <a:p>
-            <a:pPr lvl="2"/>
-            <a:r>
-              <a:t>Requires a lot of training data</a:t>
-            </a:r>
-          </a:p>
-          <a:p>
-            <a:pPr/>
+        <p:spPr/>
+        <p:txBody>
+          <a:bodyPr/>
+          <a:lstStyle/>
+          <a:p>
+            <a:pPr/>
+            <a:r>
+              <a:t>Can be multiple fully connected layers</a:t>
+            </a:r>
+          </a:p>
+          <a:p>
+            <a:pPr/>
+            <a:r>
+              <a:t>Combines the previous convolutional layers to bring everything together to give final classification</a:t>
+            </a:r>
           </a:p>
         </p:txBody>
       </p:sp>
@@ -4392,7 +4382,7 @@
             <a:spLocks noGrp="1" noChangeArrowheads="1"/>
             <a:extLst>
               <a:ext uri="smNativeData">
-                <pr:smNativeData xmlns:pr="smNativeData" xmlns="smNativeData" val="SMDATA_15_D/RJaRMAAAAlAAAAZAAAAA0AAAAAkAAAAEgAAACQAAAASAAAAAAAAAABAAAAAAAAAAEAAABQAAAAAAAAAAAA4D8AAAAAAADgPwAAAAAAAOA/AAAAAAAA4D8AAAAAAADgPwAAAAAAAOA/AAAAAAAA4D8AAAAAAADgPwAAAAAAAOA/AAAAAAAA4D8CAAAAjAAAAAAAAAAAAAAAu+DjDP///wgAAAAAAAAAAAAAAAAAAAAAAAAAAAAAAAAAAAAAZAAAAAEAAABAAAAAAAAAAAAAAAAAAAAAAAAAAAAAAAAAAAAAAAAAAAAAAAAAAAAAAAAAAAAAAAAAAAAAAAAAAAAAAAAAAAAAAAAAAAAAAAAAAAAAAAAAAAAAAAAAAAAAFAAAADwAAAAAAAAAAAAAAAAAAAkUAAAAAQAAABQAAAAUAAAAFAAAAAEAAAAAAAAAZAAAAGQAAAAAAAAAZAAAAGQAAAAVAAAAYAAAAAAAAAAAAAAADwAAACADAAAAAAAAAAAAAAEAAACgMgAAVgcAAKr4//8BAAAAf39/AAEAAABkAAAAAAAAABQAAABAHwAAAAAAACYAAAAAAAAAwOD//wAAAAAmAAAAZAAAABYAAABMAAAAAAAAAAAAAAAEAAAAAAAAAAEAAACAgIAKAAAAACgAAAAoAAAAZAAAAGQAAAAAAAAAzMzMAAAAAABQAAAAUAAAAGQAAABkAAAAAAAAABcAAAAUAAAAAAAAAAAAAAD/fwAA/38AAAAAAAAJAAAABAAAAAAAAAAeAAAAaAAAAAAAAAAAAAAAAAAAAAAAAAAAAAAAECcAABAnAAAAAAAAAAAAAAAAAAAAAAAAAAAAAAAAAAAAAAAAAAAAABQAAAAAAAAAwMD/AAAAAABkAAAAMgAAAAAAAABkAAAAAAAAAH9/fwAKAAAAIgAAABgAAAAAAAAAAAAAAAAAAAAAAAAAAAAAAAAAAAAkAAAAJAAAAAAAAAAHAAAAAAAAAAAAAAAAAAAAAAAAAAAAAAAAAAAAf39/ACUAAABYAAAAAAAAAAAAAAAAAAAAAAAAAAAAAAAAAAAAAAAAAAAAAAAAAAAAAAAAAAAAAAA/AAAAAAAAAKCGAQAAAAAAAAAAAAAAAAAMAAAAAQAAAAAAAAAAAAAAAAAAAB8AAABUAAAAAAAABQAAAAEAAAAAAAAAAAAAAAAAAAAAAAAAAAAAAAAAAAAAAAAAAAAAAAJ/f38AAAAAA8zMzADAwP8Af39/AAAAAAAAAAAAAAAAAAAAAAAAAAAAIQAAABgAAAAUAAAAwAMAALABAABARwAAuAgAABAAAAAmAAAACAAAAAAAAAAAAAAA"/>
+                <pr:smNativeData xmlns:pr="smNativeData" xmlns="smNativeData" val="SMDATA_15_PhJKaRMAAAAlAAAAZAAAAA0AAAAAkAAAAEgAAACQAAAASAAAAAAAAAABAAAAAAAAAAEAAABQAAAAAAAAAAAA4D8AAAAAAADgPwAAAAAAAOA/AAAAAAAA4D8AAAAAAADgPwAAAAAAAOA/AAAAAAAA4D8AAAAAAADgPwAAAAAAAOA/AAAAAAAA4D8CAAAAjAAAAAAAAAAAAAAAu+DjDP///wgAAAAAAAAAAAAAAAAAAAAAAAAAAAAAAAAAAAAAZAAAAAEAAABAAAAAAAAAAAAAAAAAAAAAAAAAAAAAAAAAAAAAAAAAAAAAAAAAAAAAAAAAAAAAAAAAAAAAAAAAAAAAAAAAAAAAAAAAAAAAAAAAAAAAAAAAAAAAAAAAAAAAFAAAADwAAAAAAAAAAAAAAAAAAAkUAAAAAQAAABQAAAAUAAAAFAAAAAEAAAAAAAAAZAAAAGQAAAAAAAAAZAAAAGQAAAAVAAAAYAAAAAAAAAAAAAAADwAAACADAAAAAAAAAAAAAAEAAACgMgAAVgcAAKr4//8BAAAAf39/AAEAAABkAAAAAAAAABQAAABAHwAAAAAAACYAAAAAAAAAwOD//wAAAAAmAAAAZAAAABYAAABMAAAAAAAAAAAAAAAEAAAAAAAAAAEAAACAgIAKAAAAACgAAAAoAAAAZAAAAGQAAAAAAAAAzMzMAAAAAABQAAAAUAAAAGQAAABkAAAAAAAAABcAAAAUAAAAAAAAAAAAAAD/fwAA/38AAAAAAAAJAAAABAAAAF8AYAAeAAAAaAAAAAAAAAAAAAAAAAAAAAAAAAAAAAAAECcAABAnAAAAAAAAAAAAAAAAAAAAAAAAAAAAAAAAAAAAAAAAAAAAABQAAAAAAAAAwMD/AAAAAABkAAAAMgAAAAAAAABkAAAAAAAAAH9/fwAKAAAAIgAAABgAAAAAAAAAAAAAAAAAAAAAAAAAAAAAAAAAAAAkAAAAJAAAAAAAAAAHAAAAAAAAAAAAAAAAAAAAAAAAAAAAAAAAAAAAf39/ACUAAABYAAAAAAAAAAAAAAAAAAAAAAAAAAAAAAAAAAAAAAAAAAAAAAAAAAAAAAAAAAAAAAA/AAAAAAAAAKCGAQAAAAAAAAAAAAAAAAAMAAAAAQAAAAAAAAAAAAAAAAAAAB8AAABUAAAAAAAABQAAAAEAAAAAAAAAAAAAAAAAAAAAAAAAAAAAAAAAAAAAAAAAAAAAAAJ/f38AAAAAA8zMzADAwP8Af39/AAAAAAAAAAAAAAAAAAAAAAAAAAAAIQAAABgAAAAUAAAAwAMAALABAABARwAAuAgAABAAAAAmAAAACAAAAAAAAAAAAAAA"/>
               </a:ext>
             </a:extLst>
           </p:cNvSpPr>
@@ -4407,6 +4397,209 @@
           <a:p>
             <a:pPr/>
             <a:r>
+              <a:t>Object Detection models</a:t>
+            </a:r>
+          </a:p>
+          <a:p>
+            <a:pPr/>
+            <a:r>
+              <a:t>recognize multiple objects in same image</a:t>
+            </a:r>
+          </a:p>
+        </p:txBody>
+      </p:sp>
+      <p:sp>
+        <p:nvSpPr>
+          <p:cNvPr id="3" name="SlideText1"/>
+          <p:cNvSpPr>
+            <a:spLocks noGrp="1" noChangeArrowheads="1"/>
+            <a:extLst>
+              <a:ext uri="smNativeData">
+                <pr:smNativeData xmlns:pr="smNativeData" xmlns="smNativeData" val="SMDATA_15_PhJKaRMAAAAlAAAAZAAAAA0AAAAAkAAAAEgAAACQAAAASAAAAAAAAAAAAAAAAAAAAAEAAABQAAAAAAAAAAAA4D8AAAAAAADgPwAAAAAAAOA/AAAAAAAA4D8AAAAAAADgPwAAAAAAAOA/AAAAAAAA4D8AAAAAAADgPwAAAAAAAOA/AAAAAAAA4D8CAAAAjAAAAAAAAAAAAAAAu+DjDP///wgAAAAAAAAAAAAAAAAAAAAAAAAAAAAAAAAAAAAAZAAAAAEAAABAAAAAAAAAAAAAAAAAAAAAAAAAAAAAAAAAAAAAAAAAAAAAAAAAAAAAAAAAAAAAAAAAAAAAAAAAAAAAAAAAAAAAAAAAAAAAAAAAAAAAAAAAAAAAAAAAAAAAFAAAADwAAAAAAAAAAAAAAAAAAAkUAAAAAQAAABQAAAAUAAAAFAAAAAEAAAAAAAAAZAAAAGQAAAAAAAAAZAAAAGQAAAAVAAAAYAAAAAAAAAAAAAAADwAAACADAAAAAAAAAAAAAAEAAACgMgAAVgcAAKr4//8BAAAAf39/AAEAAABkAAAAAAAAABQAAABAHwAAAAAAACYAAAAAAAAAwOD//wAAAAAmAAAAZAAAABYAAABMAAAAAAAAAAAAAAAEAAAAAAAAAAEAAACAgIAKAAAAACgAAAAoAAAAZAAAAGQAAAAAAAAAzMzMAAAAAABQAAAAUAAAAGQAAABkAAAAAAAAABcAAAAUAAAAAAAAAAAAAAD/fwAA/38AAAAAAAAJAAAABAAAAF8AYAAeAAAAaAAAAAAAAAAAAAAAAAAAAAAAAAAAAAAAECcAABAnAAAAAAAAAAAAAAAAAAAAAAAAAAAAAAAAAAAAAAAAAAAAABQAAAAAAAAAwMD/AAAAAABkAAAAMgAAAAAAAABkAAAAAAAAAH9/fwAKAAAAIgAAABgAAAAAAAAAAAAAAAAAAAAAAAAAAAAAAAAAAAAkAAAAJAAAAAAAAAAHAAAAAAAAAAAAAAAAAAAAAAAAAAAAAAAAAAAAf39/ACUAAABYAAAAAAAAAAAAAAAAAAAAAAAAAAAAAAAAAAAAAAAAAAAAAAAAAAAAAAAAAAAAAAA/AAAAAAAAAKCGAQAAAAAAAAAAAAAAAAAMAAAAAQAAAAAAAAAAAAAAAAAAAB8AAABUAAAAAAAABQAAAAEAAAAAAAAAAAAAAAAAAAAAAAAAAAAAAAAAAAAAAAAAAAAAAAJ/f38AAAAAA8zMzADAwP8Af39/AAAAAAAAAAAAAAAAAAAAAAAAAAAAIQAAABgAAAAUAAAAwAMAANgJAABARwAAsCUAAAAAAAAmAAAACAAAAAEAAAAAAAAA"/>
+              </a:ext>
+            </a:extLst>
+          </p:cNvSpPr>
+          <p:nvPr>
+            <p:ph type="body" idx="1"/>
+          </p:nvPr>
+        </p:nvSpPr>
+        <p:spPr>
+          <a:xfrm>
+            <a:off x="609600" y="1600200"/>
+            <a:ext cx="10972800" cy="4526280"/>
+          </a:xfrm>
+        </p:spPr>
+        <p:txBody>
+          <a:bodyPr/>
+          <a:lstStyle/>
+          <a:p>
+            <a:pPr/>
+            <a:r>
+              <a:t>YOLO - You Only Look Once - single stage/pass</a:t>
+            </a:r>
+          </a:p>
+          <a:p>
+            <a:pPr lvl="1"/>
+            <a:r>
+              <a:t>Darknet latest version is v4 but is continually being improved</a:t>
+            </a:r>
+          </a:p>
+          <a:p>
+            <a:pPr lvl="2">
+              <a:defRPr cap="none">
+                <a:hlinkClick r:id="rId2"/>
+              </a:defRPr>
+            </a:pPr>
+            <a:r>
+              <a:rPr>
+                <a:hlinkClick r:id="rId2"/>
+              </a:rPr>
+              <a:t>https://www.ccoderun.ca/programming/yolo_faq/</a:t>
+            </a:r>
+            <a:endParaRPr>
+              <a:hlinkClick r:id="rId2"/>
+            </a:endParaRPr>
+          </a:p>
+          <a:p>
+            <a:pPr lvl="2"/>
+            <a:r>
+              <a:t>https://github.com/hank-ai/darknet</a:t>
+            </a:r>
+          </a:p>
+          <a:p>
+            <a:pPr lvl="1"/>
+            <a:r>
+              <a:t>Non-Darknet versions are v5+</a:t>
+            </a:r>
+          </a:p>
+          <a:p>
+            <a:pPr lvl="2"/>
+            <a:r>
+              <a:t>*Note that ultralytics does not own Yolo! You can make these models on your own, but they do provide pre-trained weights which is important.</a:t>
+            </a:r>
+          </a:p>
+          <a:p>
+            <a:pPr lvl="2"/>
+            <a:r>
+              <a:t>v5: </a:t>
+            </a:r>
+            <a:r>
+              <a:rPr cap="none">
+                <a:hlinkClick r:id="rId3"/>
+              </a:rPr>
+              <a:t>https://github.com/ultralytics/yolov5</a:t>
+            </a:r>
+            <a:endParaRPr cap="none">
+              <a:hlinkClick r:id="rId3"/>
+            </a:endParaRPr>
+          </a:p>
+          <a:p>
+            <a:pPr lvl="2"/>
+            <a:r>
+              <a:t>v11: </a:t>
+            </a:r>
+            <a:r>
+              <a:rPr cap="none">
+                <a:hlinkClick r:id="rId4"/>
+              </a:rPr>
+              <a:t>https://github.com/ultralytics/ultralytics</a:t>
+            </a:r>
+            <a:endParaRPr cap="none">
+              <a:hlinkClick r:id="rId4"/>
+            </a:endParaRPr>
+          </a:p>
+          <a:p>
+            <a:pPr lvl="2"/>
+          </a:p>
+          <a:p>
+            <a:pPr/>
+            <a:r>
+              <a:t>Faster R-CNN - multiple stage</a:t>
+            </a:r>
+          </a:p>
+          <a:p>
+            <a:pPr lvl="2"/>
+            <a:r>
+              <a:t>RPN (Region Proposal Network) first, then classifies from there.</a:t>
+            </a:r>
+          </a:p>
+          <a:p>
+            <a:pPr lvl="2"/>
+            <a:r>
+              <a:t>Slower but more accurate especially for complex scenes &amp; small overlapping</a:t>
+            </a:r>
+          </a:p>
+          <a:p>
+            <a:pPr/>
+            <a:r>
+              <a:t>DETR - Detection Transformer</a:t>
+            </a:r>
+          </a:p>
+          <a:p>
+            <a:pPr lvl="2"/>
+            <a:r>
+              <a:t>Requires a lot of training data</a:t>
+            </a:r>
+          </a:p>
+          <a:p>
+            <a:pPr/>
+          </a:p>
+        </p:txBody>
+      </p:sp>
+    </p:spTree>
+  </p:cSld>
+  <p:clrMapOvr>
+    <a:masterClrMapping/>
+  </p:clrMapOvr>
+  <p:timing>
+    <p:tnLst>
+      <p:par>
+        <p:cTn id="1" dur="indefinite" restart="never" nodeType="tmRoot"/>
+      </p:par>
+    </p:tnLst>
+  </p:timing>
+</p:sld>
+</file>
+
+<file path=ppt/slides/slide15.xml><?xml version="1.0" encoding="utf-8"?>
+<p:sld xmlns:p="http://schemas.openxmlformats.org/presentationml/2006/main" xmlns:mc="http://schemas.openxmlformats.org/markup-compatibility/2006" xmlns:p14="http://schemas.microsoft.com/office/powerpoint/2010/main" xmlns:p15="http://schemas.microsoft.com/office/powerpoint/2012/main" xmlns:r="http://schemas.openxmlformats.org/officeDocument/2006/relationships" xmlns:a="http://schemas.openxmlformats.org/drawingml/2006/main" mc:Ignorable="p14">
+  <p:cSld>
+    <p:spTree>
+      <p:nvGrpSpPr>
+        <p:cNvPr id="1" name=""/>
+        <p:cNvGrpSpPr/>
+        <p:nvPr/>
+      </p:nvGrpSpPr>
+      <p:grpSpPr>
+        <a:xfrm>
+          <a:off x="0" y="0"/>
+          <a:ext cx="0" cy="0"/>
+          <a:chOff x="0" y="0"/>
+          <a:chExt cx="0" cy="0"/>
+        </a:xfrm>
+      </p:grpSpPr>
+      <p:sp>
+        <p:nvSpPr>
+          <p:cNvPr id="2" name="SlideTitle1"/>
+          <p:cNvSpPr>
+            <a:spLocks noGrp="1" noChangeArrowheads="1"/>
+            <a:extLst>
+              <a:ext uri="smNativeData">
+                <pr:smNativeData xmlns:pr="smNativeData" xmlns="smNativeData" val="SMDATA_15_PhJKaRMAAAAlAAAAZAAAAA0AAAAAkAAAAEgAAACQAAAASAAAAAAAAAABAAAAAAAAAAEAAABQAAAAAAAAAAAA4D8AAAAAAADgPwAAAAAAAOA/AAAAAAAA4D8AAAAAAADgPwAAAAAAAOA/AAAAAAAA4D8AAAAAAADgPwAAAAAAAOA/AAAAAAAA4D8CAAAAjAAAAAAAAAAAAAAAu+DjDP///wgAAAAAAAAAAAAAAAAAAAAAAAAAAAAAAAAAAAAAZAAAAAEAAABAAAAAAAAAAAAAAAAAAAAAAAAAAAAAAAAAAAAAAAAAAAAAAAAAAAAAAAAAAAAAAAAAAAAAAAAAAAAAAAAAAAAAAAAAAAAAAAAAAAAAAAAAAAAAAAAAAAAAFAAAADwAAAAAAAAAAAAAAAAAAAkUAAAAAQAAABQAAAAUAAAAFAAAAAEAAAAAAAAAZAAAAGQAAAAAAAAAZAAAAGQAAAAVAAAAYAAAAAAAAAAAAAAADwAAACADAAAAAAAAAAAAAAEAAACgMgAAVgcAAKr4//8BAAAAf39/AAEAAABkAAAAAAAAABQAAABAHwAAAAAAACYAAAAAAAAAwOD//wAAAAAmAAAAZAAAABYAAABMAAAAAAAAAAAAAAAEAAAAAAAAAAEAAACAgIAKAAAAACgAAAAoAAAAZAAAAGQAAAAAAAAAzMzMAAAAAABQAAAAUAAAAGQAAABkAAAAAAAAABcAAAAUAAAAAAAAAAAAAAD/fwAA/38AAAAAAAAJAAAABAAAAAAAAAAeAAAAaAAAAAAAAAAAAAAAAAAAAAAAAAAAAAAAECcAABAnAAAAAAAAAAAAAAAAAAAAAAAAAAAAAAAAAAAAAAAAAAAAABQAAAAAAAAAwMD/AAAAAABkAAAAMgAAAAAAAABkAAAAAAAAAH9/fwAKAAAAIgAAABgAAAAAAAAAAAAAAAAAAAAAAAAAAAAAAAAAAAAkAAAAJAAAAAAAAAAHAAAAAAAAAAAAAAAAAAAAAAAAAAAAAAAAAAAAf39/ACUAAABYAAAAAAAAAAAAAAAAAAAAAAAAAAAAAAAAAAAAAAAAAAAAAAAAAAAAAAAAAAAAAAA/AAAAAAAAAKCGAQAAAAAAAAAAAAAAAAAMAAAAAQAAAAAAAAAAAAAAAAAAAB8AAABUAAAAAAAABQAAAAEAAAAAAAAAAAAAAAAAAAAAAAAAAAAAAAAAAAAAAAAAAAAAAAJ/f38AAAAAA8zMzADAwP8Af39/AAAAAAAAAAAAAAAAAAAAAAAAAAAAIQAAABgAAAAUAAAAwAMAALABAABARwAAuAgAABAAAAAmAAAACAAAAAAAAAAAAAAA"/>
+              </a:ext>
+            </a:extLst>
+          </p:cNvSpPr>
+          <p:nvPr>
+            <p:ph type="title"/>
+          </p:nvPr>
+        </p:nvSpPr>
+        <p:spPr/>
+        <p:txBody>
+          <a:bodyPr/>
+          <a:lstStyle/>
+          <a:p>
+            <a:pPr/>
+            <a:r>
               <a:t>Image Recognition Models that only </a:t>
             </a:r>
           </a:p>
@@ -4425,7 +4618,7 @@
             <a:spLocks noGrp="1" noChangeArrowheads="1"/>
             <a:extLst>
               <a:ext uri="smNativeData">
-                <pr:smNativeData xmlns:pr="smNativeData" xmlns="smNativeData" val="SMDATA_15_D/RJaRMAAAAlAAAAZAAAAA0AAAAAkAAAAEgAAACQAAAASAAAAAAAAAAAAAAAAAAAAAEAAABQAAAAAAAAAAAA4D8AAAAAAADgPwAAAAAAAOA/AAAAAAAA4D8AAAAAAADgPwAAAAAAAOA/AAAAAAAA4D8AAAAAAADgPwAAAAAAAOA/AAAAAAAA4D8CAAAAjAAAAAAAAAAAAAAAu+DjDP///wgAAAAAAAAAAAAAAAAAAAAAAAAAAAAAAAAAAAAAZAAAAAEAAABAAAAAAAAAAAAAAAAAAAAAAAAAAAAAAAAAAAAAAAAAAAAAAAAAAAAAAAAAAAAAAAAAAAAAAAAAAAAAAAAAAAAAAAAAAAAAAAAAAAAAAAAAAAAAAAAAAAAAFAAAADwAAAAAAAAAAAAAAAAAAAkUAAAAAQAAABQAAAAUAAAAFAAAAAEAAAAAAAAAZAAAAGQAAAAAAAAAZAAAAGQAAAAVAAAAYAAAAAAAAAAAAAAADwAAACADAAAAAAAAAAAAAAEAAACgMgAAVgcAAKr4//8BAAAAf39/AAEAAABkAAAAAAAAABQAAABAHwAAAAAAACYAAAAAAAAAwOD//wAAAAAmAAAAZAAAABYAAABMAAAAAAAAAAAAAAAEAAAAAAAAAAEAAACAgIAKAAAAACgAAAAoAAAAZAAAAGQAAAAAAAAAzMzMAAAAAABQAAAAUAAAAGQAAABkAAAAAAAAABcAAAAUAAAAAAAAAAAAAAD/fwAA/38AAAAAAAAJAAAABAAAAAAAAAAeAAAAaAAAAAAAAAAAAAAAAAAAAAAAAAAAAAAAECcAABAnAAAAAAAAAAAAAAAAAAAAAAAAAAAAAAAAAAAAAAAAAAAAABQAAAAAAAAAwMD/AAAAAABkAAAAMgAAAAAAAABkAAAAAAAAAH9/fwAKAAAAIgAAABgAAAAAAAAAAAAAAAAAAAAAAAAAAAAAAAAAAAAkAAAAJAAAAAAAAAAHAAAAAAAAAAAAAAAAAAAAAAAAAAAAAAAAAAAAf39/ACUAAABYAAAAAAAAAAAAAAAAAAAAAAAAAAAAAAAAAAAAAAAAAAAAAAAAAAAAAAAAAAAAAAA/AAAAAAAAAKCGAQAAAAAAAAAAAAAAAAAMAAAAAQAAAAAAAAAAAAAAAAAAAB8AAABUAAAAAAAABQAAAAEAAAAAAAAAAAAAAAAAAAAAAAAAAAAAAAAAAAAAAAAAAAAAAAJ/f38AAAAAA8zMzADAwP8Af39/AAAAAAAAAAAAAAAAAAAAAAAAAAAAIQAAABgAAAAUAAAAwAMAANgJAABARwAAsCUAABAAAAAmAAAACAAAAAAAAAAAAAAA"/>
+                <pr:smNativeData xmlns:pr="smNativeData" xmlns="smNativeData" val="SMDATA_15_PhJKaRMAAAAlAAAAZAAAAA0AAAAAkAAAAEgAAACQAAAASAAAAAAAAAAAAAAAAAAAAAEAAABQAAAAAAAAAAAA4D8AAAAAAADgPwAAAAAAAOA/AAAAAAAA4D8AAAAAAADgPwAAAAAAAOA/AAAAAAAA4D8AAAAAAADgPwAAAAAAAOA/AAAAAAAA4D8CAAAAjAAAAAAAAAAAAAAAu+DjDP///wgAAAAAAAAAAAAAAAAAAAAAAAAAAAAAAAAAAAAAZAAAAAEAAABAAAAAAAAAAAAAAAAAAAAAAAAAAAAAAAAAAAAAAAAAAAAAAAAAAAAAAAAAAAAAAAAAAAAAAAAAAAAAAAAAAAAAAAAAAAAAAAAAAAAAAAAAAAAAAAAAAAAAFAAAADwAAAAAAAAAAAAAAAAAAAkUAAAAAQAAABQAAAAUAAAAFAAAAAEAAAAAAAAAZAAAAGQAAAAAAAAAZAAAAGQAAAAVAAAAYAAAAAAAAAAAAAAADwAAACADAAAAAAAAAAAAAAEAAACgMgAAVgcAAKr4//8BAAAAf39/AAEAAABkAAAAAAAAABQAAABAHwAAAAAAACYAAAAAAAAAwOD//wAAAAAmAAAAZAAAABYAAABMAAAAAAAAAAAAAAAEAAAAAAAAAAEAAACAgIAKAAAAACgAAAAoAAAAZAAAAGQAAAAAAAAAzMzMAAAAAABQAAAAUAAAAGQAAABkAAAAAAAAABcAAAAUAAAAAAAAAAAAAAD/fwAA/38AAAAAAAAJAAAABAAAAAAAAAAeAAAAaAAAAAAAAAAAAAAAAAAAAAAAAAAAAAAAECcAABAnAAAAAAAAAAAAAAAAAAAAAAAAAAAAAAAAAAAAAAAAAAAAABQAAAAAAAAAwMD/AAAAAABkAAAAMgAAAAAAAABkAAAAAAAAAH9/fwAKAAAAIgAAABgAAAAAAAAAAAAAAAAAAAAAAAAAAAAAAAAAAAAkAAAAJAAAAAAAAAAHAAAAAAAAAAAAAAAAAAAAAAAAAAAAAAAAAAAAf39/ACUAAABYAAAAAAAAAAAAAAAAAAAAAAAAAAAAAAAAAAAAAAAAAAAAAAAAAAAAAAAAAAAAAAA/AAAAAAAAAKCGAQAAAAAAAAAAAAAAAAAMAAAAAQAAAAAAAAAAAAAAAAAAAB8AAABUAAAAAAAABQAAAAEAAAAAAAAAAAAAAAAAAAAAAAAAAAAAAAAAAAAAAAAAAAAAAAJ/f38AAAAAA8zMzADAwP8Af39/AAAAAAAAAAAAAAAAAAAAAAAAAAAAIQAAABgAAAAUAAAAwAMAANgJAABARwAAsCUAABAAAAAmAAAACAAAAAAAAAAAAAAA"/>
               </a:ext>
             </a:extLst>
           </p:cNvSpPr>
@@ -4523,7 +4716,7 @@
             <a:spLocks noGrp="1" noChangeArrowheads="1"/>
             <a:extLst>
               <a:ext uri="smNativeData">
-                <pr:smNativeData xmlns:pr="smNativeData" xmlns="smNativeData" val="SMDATA_15_D/RJaRMAAAAlAAAAZAAAAA0AAAAAkAAAAEgAAACQAAAASAAAAAAAAAABAAAAAAAAAAEAAABQAAAAAAAAAAAA4D8AAAAAAADgPwAAAAAAAOA/AAAAAAAA4D8AAAAAAADgPwAAAAAAAOA/AAAAAAAA4D8AAAAAAADgPwAAAAAAAOA/AAAAAAAA4D8CAAAAjAAAAAAAAAAAAAAAu+DjDP///wgAAAAAAAAAAAAAAAAAAAAAAAAAAAAAAAAAAAAAZAAAAAEAAABAAAAAAAAAAAAAAAAAAAAAAAAAAAAAAAAAAAAAAAAAAAAAAAAAAAAAAAAAAAAAAAAAAAAAAAAAAAAAAAAAAAAAAAAAAAAAAAAAAAAAAAAAAAAAAAAAAAAAFAAAADwAAAAAAAAAAAAAAAAAAAkUAAAAAQAAABQAAAAUAAAAFAAAAAEAAAAAAAAAZAAAAGQAAAAAAAAAZAAAAGQAAAAVAAAAYAAAAAAAAAAAAAAADwAAACADAAAAAAAAAAAAAAEAAACgMgAAVgcAAKr4//8BAAAAf39/AAEAAABkAAAAAAAAABQAAABAHwAAAAAAACYAAAAAAAAAwOD//wAAAAAmAAAAZAAAABYAAABMAAAAAAAAAAAAAAAEAAAAAAAAAAEAAACAgIAKAAAAACgAAAAoAAAAZAAAAGQAAAAAAAAAzMzMAAAAAABQAAAAUAAAAGQAAABkAAAAAAAAABcAAAAUAAAAAAAAAAAAAAD/fwAA/38AAAAAAAAJAAAABAAAAF8AYAAeAAAAaAAAAAAAAAAAAAAAAAAAAAAAAAAAAAAAECcAABAnAAAAAAAAAAAAAAAAAAAAAAAAAAAAAAAAAAAAAAAAAAAAABQAAAAAAAAAwMD/AAAAAABkAAAAMgAAAAAAAABkAAAAAAAAAH9/fwAKAAAAIgAAABgAAAAAAAAAAAAAAAAAAAAAAAAAAAAAAAAAAAAkAAAAJAAAAAAAAAAHAAAAAAAAAAAAAAAAAAAAAAAAAAAAAAAAAAAAf39/ACUAAABYAAAAAAAAAAAAAAAAAAAAAAAAAAAAAAAAAAAAAAAAAAAAAAAAAAAAAAAAAAAAAAA/AAAAAAAAAKCGAQAAAAAAAAAAAAAAAAAMAAAAAQAAAAAAAAAAAAAAAAAAAB8AAABUAAAAAAAABQAAAAEAAAAAAAAAAAAAAAAAAAAAAAAAAAAAAAAAAAAAAAAAAAAAAAJ/f38AAAAAA8zMzADAwP8Af39/AAAAAAAAAAAAAAAAAAAAAAAAAAAAIQAAABgAAAAUAAAAwAMAALABAABARwAAuAgAABAAAAAmAAAACAAAAAAAAAAAAAAA"/>
+                <pr:smNativeData xmlns:pr="smNativeData" xmlns="smNativeData" val="SMDATA_15_PhJKaRMAAAAlAAAAZAAAAA0AAAAAkAAAAEgAAACQAAAASAAAAAAAAAABAAAAAAAAAAEAAABQAAAAAAAAAAAA4D8AAAAAAADgPwAAAAAAAOA/AAAAAAAA4D8AAAAAAADgPwAAAAAAAOA/AAAAAAAA4D8AAAAAAADgPwAAAAAAAOA/AAAAAAAA4D8CAAAAjAAAAAAAAAAAAAAAu+DjDP///wgAAAAAAAAAAAAAAAAAAAAAAAAAAAAAAAAAAAAAZAAAAAEAAABAAAAAAAAAAAAAAAAAAAAAAAAAAAAAAAAAAAAAAAAAAAAAAAAAAAAAAAAAAAAAAAAAAAAAAAAAAAAAAAAAAAAAAAAAAAAAAAAAAAAAAAAAAAAAAAAAAAAAFAAAADwAAAAAAAAAAAAAAAAAAAkUAAAAAQAAABQAAAAUAAAAFAAAAAEAAAAAAAAAZAAAAGQAAAAAAAAAZAAAAGQAAAAVAAAAYAAAAAAAAAAAAAAADwAAACADAAAAAAAAAAAAAAEAAACgMgAAVgcAAKr4//8BAAAAf39/AAEAAABkAAAAAAAAABQAAABAHwAAAAAAACYAAAAAAAAAwOD//wAAAAAmAAAAZAAAABYAAABMAAAAAAAAAAAAAAAEAAAAAAAAAAEAAACAgIAKAAAAACgAAAAoAAAAZAAAAGQAAAAAAAAAzMzMAAAAAABQAAAAUAAAAGQAAABkAAAAAAAAABcAAAAUAAAAAAAAAAAAAAD/fwAA/38AAAAAAAAJAAAABAAAAF8AYAAeAAAAaAAAAAAAAAAAAAAAAAAAAAAAAAAAAAAAECcAABAnAAAAAAAAAAAAAAAAAAAAAAAAAAAAAAAAAAAAAAAAAAAAABQAAAAAAAAAwMD/AAAAAABkAAAAMgAAAAAAAABkAAAAAAAAAH9/fwAKAAAAIgAAABgAAAAAAAAAAAAAAAAAAAAAAAAAAAAAAAAAAAAkAAAAJAAAAAAAAAAHAAAAAAAAAAAAAAAAAAAAAAAAAAAAAAAAAAAAf39/ACUAAABYAAAAAAAAAAAAAAAAAAAAAAAAAAAAAAAAAAAAAAAAAAAAAAAAAAAAAAAAAAAAAAA/AAAAAAAAAKCGAQAAAAAAAAAAAAAAAAAMAAAAAQAAAAAAAAAAAAAAAAAAAB8AAABUAAAAAAAABQAAAAEAAAAAAAAAAAAAAAAAAAAAAAAAAAAAAAAAAAAAAAAAAAAAAAJ/f38AAAAAA8zMzADAwP8Af39/AAAAAAAAAAAAAAAAAAAAAAAAAAAAIQAAABgAAAAUAAAAwAMAALABAABARwAAuAgAABAAAAAmAAAACAAAAAAAAAAAAAAA"/>
               </a:ext>
             </a:extLst>
           </p:cNvSpPr>
@@ -4550,7 +4743,7 @@
             <a:spLocks noGrp="1" noChangeArrowheads="1"/>
             <a:extLst>
               <a:ext uri="smNativeData">
-                <pr:smNativeData xmlns:pr="smNativeData" xmlns="smNativeData" val="SMDATA_15_D/RJaRMAAAAlAAAAZAAAAA0AAAAAkAAAAEgAAACQAAAASAAAAAAAAAAAAAAAAAAAAAEAAABQAAAAAAAAAAAA4D8AAAAAAADgPwAAAAAAAOA/AAAAAAAA4D8AAAAAAADgPwAAAAAAAOA/AAAAAAAA4D8AAAAAAADgPwAAAAAAAOA/AAAAAAAA4D8CAAAAjAAAAAAAAAAAAAAAu+DjDP///wgAAAAAAAAAAAAAAAAAAAAAAAAAAAAAAAAAAAAAZAAAAAEAAABAAAAAAAAAAAAAAAAAAAAAAAAAAAAAAAAAAAAAAAAAAAAAAAAAAAAAAAAAAAAAAAAAAAAAAAAAAAAAAAAAAAAAAAAAAAAAAAAAAAAAAAAAAAAAAAAAAAAAFAAAADwAAAAAAAAAAAAAAAAAAAkUAAAAAQAAABQAAAAUAAAAFAAAAAEAAAAAAAAAZAAAAGQAAAAAAAAAZAAAAGQAAAAVAAAAYAAAAAAAAAAAAAAADwAAACADAAAAAAAAAAAAAAEAAACgMgAAVgcAAKr4//8BAAAAf39/AAEAAABkAAAAAAAAABQAAABAHwAAAAAAACYAAAAAAAAAwOD//wAAAAAmAAAAZAAAABYAAABMAAAAAAAAAAAAAAAEAAAAAAAAAAEAAACAgIAKAAAAACgAAAAoAAAAZAAAAGQAAAAAAAAAzMzMAAAAAABQAAAAUAAAAGQAAABkAAAAAAAAABcAAAAUAAAAAAAAAAAAAAD/fwAA/38AAAAAAAAJAAAABAAAAAAAAAAeAAAAaAAAAAAAAAAAAAAAAAAAAAAAAAAAAAAAECcAABAnAAAAAAAAAAAAAAAAAAAAAAAAAAAAAAAAAAAAAAAAAAAAABQAAAAAAAAAwMD/AAAAAABkAAAAMgAAAAAAAABkAAAAAAAAAH9/fwAKAAAAIgAAABgAAAAAAAAAAAAAAAAAAAAAAAAAAAAAAAAAAAAkAAAAJAAAAAAAAAAHAAAAAAAAAAAAAAAAAAAAAAAAAAAAAAAAAAAAf39/ACUAAABYAAAAAAAAAAAAAAAAAAAAAAAAAAAAAAAAAAAAAAAAAAAAAAAAAAAAAAAAAAAAAAA/AAAAAAAAAKCGAQAAAAAAAAAAAAAAAAAMAAAAAQAAAAAAAAAAAAAAAAAAAB8AAABUAAAAAAAABQAAAAEAAAAAAAAAAAAAAAAAAAAAAAAAAAAAAAAAAAAAAAAAAAAAAAJ/f38AAAAAA8zMzADAwP8Af39/AAAAAAAAAAAAAAAAAAAAAAAAAAAAIQAAABgAAAAUAAAAwAMAANgJAABARwAAsCUAABAAAAAmAAAACAAAAAAAAAAAAAAA"/>
+                <pr:smNativeData xmlns:pr="smNativeData" xmlns="smNativeData" val="SMDATA_15_PhJKaRMAAAAlAAAAZAAAAA0AAAAAkAAAAEgAAACQAAAASAAAAAAAAAAAAAAAAAAAAAEAAABQAAAAAAAAAAAA4D8AAAAAAADgPwAAAAAAAOA/AAAAAAAA4D8AAAAAAADgPwAAAAAAAOA/AAAAAAAA4D8AAAAAAADgPwAAAAAAAOA/AAAAAAAA4D8CAAAAjAAAAAAAAAAAAAAAu+DjDP///wgAAAAAAAAAAAAAAAAAAAAAAAAAAAAAAAAAAAAAZAAAAAEAAABAAAAAAAAAAAAAAAAAAAAAAAAAAAAAAAAAAAAAAAAAAAAAAAAAAAAAAAAAAAAAAAAAAAAAAAAAAAAAAAAAAAAAAAAAAAAAAAAAAAAAAAAAAAAAAAAAAAAAFAAAADwAAAAAAAAAAAAAAAAAAAkUAAAAAQAAABQAAAAUAAAAFAAAAAEAAAAAAAAAZAAAAGQAAAAAAAAAZAAAAGQAAAAVAAAAYAAAAAAAAAAAAAAADwAAACADAAAAAAAAAAAAAAEAAACgMgAAVgcAAKr4//8BAAAAf39/AAEAAABkAAAAAAAAABQAAABAHwAAAAAAACYAAAAAAAAAwOD//wAAAAAmAAAAZAAAABYAAABMAAAAAAAAAAAAAAAEAAAAAAAAAAEAAACAgIAKAAAAACgAAAAoAAAAZAAAAGQAAAAAAAAAzMzMAAAAAABQAAAAUAAAAGQAAABkAAAAAAAAABcAAAAUAAAAAAAAAAAAAAD/fwAA/38AAAAAAAAJAAAABAAAAAAAAAAeAAAAaAAAAAAAAAAAAAAAAAAAAAAAAAAAAAAAECcAABAnAAAAAAAAAAAAAAAAAAAAAAAAAAAAAAAAAAAAAAAAAAAAABQAAAAAAAAAwMD/AAAAAABkAAAAMgAAAAAAAABkAAAAAAAAAH9/fwAKAAAAIgAAABgAAAAAAAAAAAAAAAAAAAAAAAAAAAAAAAAAAAAkAAAAJAAAAAAAAAAHAAAAAAAAAAAAAAAAAAAAAAAAAAAAAAAAAAAAf39/ACUAAABYAAAAAAAAAAAAAAAAAAAAAAAAAAAAAAAAAAAAAAAAAAAAAAAAAAAAAAAAAAAAAAA/AAAAAAAAAKCGAQAAAAAAAAAAAAAAAAAMAAAAAQAAAAAAAAAAAAAAAAAAAB8AAABUAAAAAAAABQAAAAEAAAAAAAAAAAAAAAAAAAAAAAAAAAAAAAAAAAAAAAAAAAAAAAJ/f38AAAAAA8zMzADAwP8Af39/AAAAAAAAAAAAAAAAAAAAAAAAAAAAIQAAABgAAAAUAAAAwAMAANgJAABARwAAsCUAABAAAAAmAAAACAAAAAAAAAAAAAAA"/>
               </a:ext>
             </a:extLst>
           </p:cNvSpPr>
@@ -4699,7 +4892,7 @@
             <a:spLocks noGrp="1" noChangeArrowheads="1"/>
             <a:extLst>
               <a:ext uri="smNativeData">
-                <pr:smNativeData xmlns:pr="smNativeData" xmlns="smNativeData" val="SMDATA_15_D/RJaRMAAAAlAAAAZAAAAA0AAAAAkAAAAEgAAACQAAAASAAAAAAAAAABAAAAAAAAAAEAAABQAAAAAAAAAAAA4D8AAAAAAADgPwAAAAAAAOA/AAAAAAAA4D8AAAAAAADgPwAAAAAAAOA/AAAAAAAA4D8AAAAAAADgPwAAAAAAAOA/AAAAAAAA4D8CAAAAjAAAAAAAAAAAAAAAu+DjDP///wgAAAAAAAAAAAAAAAAAAAAAAAAAAAAAAAAAAAAAZAAAAAEAAABAAAAAAAAAAAAAAAAAAAAAAAAAAAAAAAAAAAAAAAAAAAAAAAAAAAAAAAAAAAAAAAAAAAAAAAAAAAAAAAAAAAAAAAAAAAAAAAAAAAAAAAAAAAAAAAAAAAAAFAAAADwAAAAAAAAAAAAAAAAAAAkUAAAAAQAAABQAAAAUAAAAFAAAAAEAAAAAAAAAZAAAAGQAAAAAAAAAZAAAAGQAAAAVAAAAYAAAAAAAAAAAAAAADwAAACADAAAAAAAAAAAAAAEAAACgMgAAVgcAAKr4//8BAAAAf39/AAEAAABkAAAAAAAAABQAAABAHwAAAAAAACYAAAAAAAAAwOD//wAAAAAmAAAAZAAAABYAAABMAAAAAAAAAAAAAAAEAAAAAAAAAAEAAACAgIAKAAAAACgAAAAoAAAAZAAAAGQAAAAAAAAAzMzMAAAAAABQAAAAUAAAAGQAAABkAAAAAAAAABcAAAAUAAAAAAAAAAAAAAD/fwAA/38AAAAAAAAJAAAABAAAAF8AYAAeAAAAaAAAAAAAAAAAAAAAAAAAAAAAAAAAAAAAECcAABAnAAAAAAAAAAAAAAAAAAAAAAAAAAAAAAAAAAAAAAAAAAAAABQAAAAAAAAAwMD/AAAAAABkAAAAMgAAAAAAAABkAAAAAAAAAH9/fwAKAAAAIgAAABgAAAAAAAAAAAAAAAAAAAAAAAAAAAAAAAAAAAAkAAAAJAAAAAAAAAAHAAAAAAAAAAAAAAAAAAAAAAAAAAAAAAAAAAAAf39/ACUAAABYAAAAAAAAAAAAAAAAAAAAAAAAAAAAAAAAAAAAAAAAAAAAAAAAAAAAAAAAAAAAAAA/AAAAAAAAAKCGAQAAAAAAAAAAAAAAAAAMAAAAAQAAAAAAAAAAAAAAAAAAAB8AAABUAAAAAAAABQAAAAEAAAAAAAAAAAAAAAAAAAAAAAAAAAAAAAAAAAAAAAAAAAAAAAJ/f38AAAAAA8zMzADAwP8Af39/AAAAAAAAAAAAAAAAAAAAAAAAAAAAIQAAABgAAAAUAAAAwAMAALABAABARwAAuAgAABAAAAAmAAAACAAAAAAAAAAAAAAA"/>
+                <pr:smNativeData xmlns:pr="smNativeData" xmlns="smNativeData" val="SMDATA_15_PhJKaRMAAAAlAAAAZAAAAA0AAAAAkAAAAEgAAACQAAAASAAAAAAAAAABAAAAAAAAAAEAAABQAAAAAAAAAAAA4D8AAAAAAADgPwAAAAAAAOA/AAAAAAAA4D8AAAAAAADgPwAAAAAAAOA/AAAAAAAA4D8AAAAAAADgPwAAAAAAAOA/AAAAAAAA4D8CAAAAjAAAAAAAAAAAAAAAu+DjDP///wgAAAAAAAAAAAAAAAAAAAAAAAAAAAAAAAAAAAAAZAAAAAEAAABAAAAAAAAAAAAAAAAAAAAAAAAAAAAAAAAAAAAAAAAAAAAAAAAAAAAAAAAAAAAAAAAAAAAAAAAAAAAAAAAAAAAAAAAAAAAAAAAAAAAAAAAAAAAAAAAAAAAAFAAAADwAAAAAAAAAAAAAAAAAAAkUAAAAAQAAABQAAAAUAAAAFAAAAAEAAAAAAAAAZAAAAGQAAAAAAAAAZAAAAGQAAAAVAAAAYAAAAAAAAAAAAAAADwAAACADAAAAAAAAAAAAAAEAAACgMgAAVgcAAKr4//8BAAAAf39/AAEAAABkAAAAAAAAABQAAABAHwAAAAAAACYAAAAAAAAAwOD//wAAAAAmAAAAZAAAABYAAABMAAAAAAAAAAAAAAAEAAAAAAAAAAEAAACAgIAKAAAAACgAAAAoAAAAZAAAAGQAAAAAAAAAzMzMAAAAAABQAAAAUAAAAGQAAABkAAAAAAAAABcAAAAUAAAAAAAAAAAAAAD/fwAA/38AAAAAAAAJAAAABAAAAAAAAAAeAAAAaAAAAAAAAAAAAAAAAAAAAAAAAAAAAAAAECcAABAnAAAAAAAAAAAAAAAAAAAAAAAAAAAAAAAAAAAAAAAAAAAAABQAAAAAAAAAwMD/AAAAAABkAAAAMgAAAAAAAABkAAAAAAAAAH9/fwAKAAAAIgAAABgAAAAAAAAAAAAAAAAAAAAAAAAAAAAAAAAAAAAkAAAAJAAAAAAAAAAHAAAAAAAAAAAAAAAAAAAAAAAAAAAAAAAAAAAAf39/ACUAAABYAAAAAAAAAAAAAAAAAAAAAAAAAAAAAAAAAAAAAAAAAAAAAAAAAAAAAAAAAAAAAAA/AAAAAAAAAKCGAQAAAAAAAAAAAAAAAAAMAAAAAQAAAAAAAAAAAAAAAAAAAB8AAABUAAAAAAAABQAAAAEAAAAAAAAAAAAAAAAAAAAAAAAAAAAAAAAAAAAAAAAAAAAAAAJ/f38AAAAAA8zMzADAwP8Af39/AAAAAAAAAAAAAAAAAAAAAAAAAAAAIQAAABgAAAAUAAAAwAMAALABAABARwAAuAgAAAAAAAAmAAAACAAAAAEAAAAAAAAA"/>
               </a:ext>
             </a:extLst>
           </p:cNvSpPr>
@@ -4707,93 +4900,77 @@
             <p:ph type="title"/>
           </p:nvPr>
         </p:nvSpPr>
+        <p:spPr>
+          <a:xfrm>
+            <a:off x="609600" y="274320"/>
+            <a:ext cx="10972800" cy="1143000"/>
+          </a:xfrm>
+        </p:spPr>
+        <p:txBody>
+          <a:bodyPr/>
+          <a:lstStyle/>
+          <a:p>
+            <a:pPr/>
+            <a:r>
+              <a:t>Installing PyTorch &amp; CUDA:</a:t>
+            </a:r>
+          </a:p>
+          <a:p>
+            <a:pPr/>
+            <a:r>
+              <a:t>https://pytorch.org/get-started/locally/</a:t>
+            </a:r>
+          </a:p>
+        </p:txBody>
+      </p:sp>
+      <p:sp>
+        <p:nvSpPr>
+          <p:cNvPr id="3" name="SlideText1"/>
+          <p:cNvSpPr>
+            <a:spLocks noGrp="1" noChangeArrowheads="1"/>
+            <a:extLst>
+              <a:ext uri="smNativeData">
+                <pr:smNativeData xmlns:pr="smNativeData" xmlns="smNativeData" val="SMDATA_15_PhJKaRMAAAAlAAAAZAAAAA0AAAAAkAAAAEgAAACQAAAASAAAAAAAAAAAAAAAAAAAAAEAAABQAAAAAAAAAAAA4D8AAAAAAADgPwAAAAAAAOA/AAAAAAAA4D8AAAAAAADgPwAAAAAAAOA/AAAAAAAA4D8AAAAAAADgPwAAAAAAAOA/AAAAAAAA4D8CAAAAjAAAAAAAAAAAAAAAu+DjDP///wgAAAAAAAAAAAAAAAAAAAAAAAAAAAAAAAAAAAAAZAAAAAEAAABAAAAAAAAAAAAAAAAAAAAAAAAAAAAAAAAAAAAAAAAAAAAAAAAAAAAAAAAAAAAAAAAAAAAAAAAAAAAAAAAAAAAAAAAAAAAAAAAAAAAAAAAAAAAAAAAAAAAAFAAAADwAAAAAAAAAAAAAAAAAAAkUAAAAAQAAABQAAAAUAAAAFAAAAAEAAAAAAAAAZAAAAGQAAAAAAAAAZAAAAGQAAAAVAAAAYAAAAAAAAAAAAAAADwAAACADAAAAAAAAAAAAAAEAAACgMgAAVgcAAKr4//8BAAAAf39/AAEAAABkAAAAAAAAABQAAABAHwAAAAAAACYAAAAAAAAAwOD//wAAAAAmAAAAZAAAABYAAABMAAAAAAAAAAAAAAAEAAAAAAAAAAEAAACAgIAKAAAAACgAAAAoAAAAZAAAAGQAAAAAAAAAzMzMAAAAAABQAAAAUAAAAGQAAABkAAAAAAAAABcAAAAUAAAAAAAAAAAAAAD/fwAA/38AAAAAAAAJAAAABAAAAHsAAAAeAAAAaAAAAAAAAAAAAAAAAAAAAAAAAAAAAAAAECcAABAnAAAAAAAAAAAAAAAAAAAAAAAAAAAAAAAAAAAAAAAAAAAAABQAAAAAAAAAwMD/AAAAAABkAAAAMgAAAAAAAABkAAAAAAAAAH9/fwAKAAAAIgAAABgAAAAAAAAAAAAAAAAAAAAAAAAAAAAAAAAAAAAkAAAAJAAAAAAAAAAHAAAAAAAAAAAAAAAAAAAAAAAAAAAAAAAAAAAAf39/ACUAAABYAAAAAAAAAAAAAAAAAAAAAAAAAAAAAAAAAAAAAAAAAAAAAAAAAAAAAAAAAAAAAAA/AAAAAAAAAKCGAQAAAAAAAAAAAAAAAAAMAAAAAQAAAAAAAAAAAAAAAAAAAB8AAABUAAAAAAAABQAAAAEAAAAAAAAAAAAAAAAAAAAAAAAAAAAAAAAAAAAAAAAAAAAAAAJ/f38AAAAAA8zMzADAwP8Af39/AAAAAAAAAAAAAAAAAAAAAAAAAAAAIQAAABgAAAAUAAAAwAMAANgJAABARwAAsCUAABAAAAAmAAAACAAAAAAAAAAAAAAA"/>
+              </a:ext>
+            </a:extLst>
+          </p:cNvSpPr>
+          <p:nvPr>
+            <p:ph type="body" idx="1"/>
+          </p:nvPr>
+        </p:nvSpPr>
         <p:spPr/>
         <p:txBody>
           <a:bodyPr/>
           <a:lstStyle/>
           <a:p>
             <a:pPr/>
-            <a:r>
-              <a:t>Conda install</a:t>
-            </a:r>
-          </a:p>
-        </p:txBody>
-      </p:sp>
-      <p:sp>
-        <p:nvSpPr>
-          <p:cNvPr id="3" name="SlideText1"/>
-          <p:cNvSpPr>
-            <a:spLocks noGrp="1" noChangeArrowheads="1"/>
-            <a:extLst>
-              <a:ext uri="smNativeData">
-                <pr:smNativeData xmlns:pr="smNativeData" xmlns="smNativeData" val="SMDATA_15_D/RJaRMAAAAlAAAAZAAAAA0AAAAAkAAAAEgAAACQAAAASAAAAAAAAAAAAAAAAAAAAAEAAABQAAAAAAAAAAAA4D8AAAAAAADgPwAAAAAAAOA/AAAAAAAA4D8AAAAAAADgPwAAAAAAAOA/AAAAAAAA4D8AAAAAAADgPwAAAAAAAOA/AAAAAAAA4D8CAAAAjAAAAAAAAAAAAAAAu+DjDP///wgAAAAAAAAAAAAAAAAAAAAAAAAAAAAAAAAAAAAAZAAAAAEAAABAAAAAAAAAAAAAAAAAAAAAAAAAAAAAAAAAAAAAAAAAAAAAAAAAAAAAAAAAAAAAAAAAAAAAAAAAAAAAAAAAAAAAAAAAAAAAAAAAAAAAAAAAAAAAAAAAAAAAFAAAADwAAAAAAAAAAAAAAAAAAAkUAAAAAQAAABQAAAAUAAAAFAAAAAEAAAAAAAAAZAAAAGQAAAAAAAAAZAAAAGQAAAAVAAAAYAAAAAAAAAAAAAAADwAAACADAAAAAAAAAAAAAAEAAACgMgAAVgcAAKr4//8BAAAAf39/AAEAAABkAAAAAAAAABQAAABAHwAAAAAAACYAAAAAAAAAwOD//wAAAAAmAAAAZAAAABYAAABMAAAAAAAAAAAAAAAEAAAAAAAAAAEAAACAgIAKAAAAACgAAAAoAAAAZAAAAGQAAAAAAAAAzMzMAAAAAABQAAAAUAAAAGQAAABkAAAAAAAAABcAAAAUAAAAAAAAAAAAAAD/fwAA/38AAAAAAAAJAAAABAAAAPz///8eAAAAaAAAAAAAAAAAAAAAAAAAAAAAAAAAAAAAECcAABAnAAAAAAAAAAAAAAAAAAAAAAAAAAAAAAAAAAAAAAAAAAAAABQAAAAAAAAAwMD/AAAAAABkAAAAMgAAAAAAAABkAAAAAAAAAH9/fwAKAAAAIgAAABgAAAAAAAAAAAAAAAAAAAAAAAAAAAAAAAAAAAAkAAAAJAAAAAAAAAAHAAAAAAAAAAAAAAAAAAAAAAAAAAAAAAAAAAAAf39/ACUAAABYAAAAAAAAAAAAAAAAAAAAAAAAAAAAAAAAAAAAAAAAAAAAAAAAAAAAAAAAAAAAAAA/AAAAAAAAAKCGAQAAAAAAAAAAAAAAAAAMAAAAAQAAAAAAAAAAAAAAAAAAAB8AAABUAAAAAAAABQAAAAEAAAAAAAAAAAAAAAAAAAAAAAAAAAAAAAAAAAAAAAAAAAAAAAJ/f38AAAAAA8zMzADAwP8Af39/AAAAAAAAAAAAAAAAAAAAAAAAAAAAIQAAABgAAAAUAAAAwAMAANgJAABARwAAsCUAABAAAAAmAAAACAAAAAAAAAAAAAAA"/>
-              </a:ext>
-            </a:extLst>
-          </p:cNvSpPr>
-          <p:nvPr>
-            <p:ph type="body" idx="1"/>
-          </p:nvPr>
-        </p:nvSpPr>
-        <p:spPr/>
-        <p:txBody>
-          <a:bodyPr/>
-          <a:lstStyle/>
-          <a:p>
-            <a:pPr/>
-            <a:r>
-              <a:t>Prefer using ‘conda install’ over ’pip install’, like:</a:t>
-            </a:r>
-          </a:p>
-          <a:p>
-            <a:pPr lvl="1"/>
-            <a:r>
-              <a:t>conda install pytorch torchvision torchaudio cudatoolkit=10.2 -c</a:t>
-            </a:r>
-          </a:p>
-          <a:p>
-            <a:pPr lvl="1"/>
-            <a:r>
-              <a:t>conda install -c conda-forge tensorboard</a:t>
-            </a:r>
-          </a:p>
-          <a:p>
-            <a:pPr lvl="2"/>
-            <a:r>
-              <a:t>*tensorboard was made for tensorflow BUT can be used w/PyTorch</a:t>
-            </a:r>
-          </a:p>
-          <a:p>
-            <a:pPr lvl="1"/>
-            <a:r>
-              <a:t>pip install torchviz</a:t>
-            </a:r>
-          </a:p>
-          <a:p>
-            <a:pPr lvl="2"/>
-            <a:r>
-              <a:t>*sometimes conda install option not available.</a:t>
-            </a:r>
-          </a:p>
-          <a:p>
-            <a:pPr lvl="2"/>
-            <a:r>
-              <a:t>*Torchviz requires GraphViz to be installed first.</a:t>
-            </a:r>
-          </a:p>
-          <a:p>
-            <a:pPr/>
-            <a:r>
-              <a:t>Often need to create environment (like PyTorchStepByStep):</a:t>
-            </a:r>
-          </a:p>
-          <a:p>
-            <a:pPr lvl="1"/>
-            <a:r>
-              <a:t>conda env create -f environment.yaml</a:t>
-            </a:r>
-          </a:p>
-        </p:txBody>
-      </p:sp>
+          </a:p>
+        </p:txBody>
+      </p:sp>
+      <p:graphicFrame>
+        <p:nvGraphicFramePr>
+          <p:cNvPr id="4" name="OLEObject1"/>
+          <p:cNvGraphicFramePr>
+            <a:extLst>
+              <a:ext uri="smNativeData">
+                <pr:smNativeData xmlns:pr="smNativeData" xmlns="smNativeData" val="SMDATA_17_PhJKaRMAAAAlAAAAMgAAAA8BAAAAkAAAAEgAAACQAAAASAAAAAAAAAAAAAAAAAAAAAEAAABQAAAAAAAAAAAA4D8AAAAAAADgPwAAAAAAAOA/AAAAAAAA4D8AAAAAAADgPwAAAAAAAOA/AAAAAAAA4D8AAAAAAADgPwAAAAAAAOA/AAAAAAAA4D8CAAAAjAAAAAAAAAAAAAAAu+DjDP///wgAAAAAAAAAAAAAAAAAAAAAAAAAAAAAAAAAAAAAZAAAAAEAAABAAAAAAAAAAAAAAAAAAAAAAAAAAAAAAAAAAAAAAAAAAAAAAAAAAAAAAAAAAAAAAAAAAAAAAAAAAAAAAAAAAAAAAAAAAAAAAAAAAAAAAAAAAAAAAAAAAAAAFAAAADwAAAAAAAAAAAAAAAAAAAkUAAAAAQAAABQAAAAUAAAAFAAAAAEAAAAAAAAAZAAAAGQAAAAAAAAAZAAAAGQAAAAVAAAAYAAAAAAAAAAAAAAADwAAACADAAAAAAAAAAAAAAEAAACgMgAAVgcAAKr4//8BAAAAf39/AAEAAABkAAAAAAAAABQAAABAHwAAAAAAACYAAAAAAAAAwOD//wAAAAAmAAAAZAAAABYAAABMAAAAAAAAAAAAAAAEAAAAAAAAAAEAAACAgIAKAAAAACgAAAAoAAAAZAAAAGQAAAAAAAAAzMzMAAAAAABQAAAAUAAAAGQAAABkAAAAAAAAAAcAAAA4AAAAAAAAAAAAAAAAAAAA////AAAAAAAAAAAAAAAAAAAAAAAAAAAAAAAAAAAAAABkAAAAZAAAAAEAAAAjAAAABAAAAGQAAAAXAAAAFAAAAAAAAAAAAAAA/38AAP9/AAAAAAAACQAAAAQAAAAAAAAAHgAAAGgAAAAAAAAAAAAAAAAAAAAAAAAAAAAAABAnAAAQJwAAAAAAAAAAAAAAAAAAAAAAAAAAAAAAAAAAAAAAAAAAAAAUAAAAAAAAAMDA/wAAAAAAZAAAADIAAAAAAAAAZAAAAAAAAAB/f38AAAAAACIAAAAYAAAAAAAAAAAAAAAAAAAAAAAAAAAAAAAAAAAAJAAAACQAAAAAAAAABwAAAAAAAAAAAAAAAAAAAAAAAAAAAAAAAAAAAH9/fwAlAAAAWAAAAAAAAAAAAAAAAAAAAAAAAAAAAAAAAAAAAAAAAAAAAAAAAAAAAAAAAAAAAAAAPwAAAAAAAACghgEAAAAAAAAAAAAAAAAADAAAAAEAAAAAAAAAAAAAAAAAAAAfAAAAVAAAALvg4wX///8BAAAAAAAAAAAAAAAAAAAAAAAAAAAAAAAAAAAAAAAAAAAAAAACf39/AICAgAPMzMwAwMD/AH9/fwAAAAAAAAAAAAAAAAD///8AAAAAACEAAAAYAAAAFAAAAJ8EAAC3CgAAoEYAAKMkAAAAAAAAJgAAAAgAAAD//////////w=="/>
+              </a:ext>
+            </a:extLst>
+          </p:cNvGraphicFramePr>
+          <p:nvPr/>
+        </p:nvGraphicFramePr>
+        <p:xfrm>
+          <a:off x="751205" y="1741805"/>
+          <a:ext cx="10729595" cy="4213860"/>
+        </p:xfrm>
+        <a:graphic>
+          <a:graphicData uri="http://schemas.openxmlformats.org/presentationml/2006/ole">
+            <p:oleObj spid="_x0000_s1028" name="Paint.Picture" r:id="rId3" imgW="7802880" imgH="7802880" progId="Paint.Picture">
+              <p:embed/>
+            </p:oleObj>
+          </a:graphicData>
+        </a:graphic>
+      </p:graphicFrame>
     </p:spTree>
   </p:cSld>
   <p:clrMapOvr>
@@ -4833,7 +5010,7 @@
             <a:spLocks noGrp="1" noChangeArrowheads="1"/>
             <a:extLst>
               <a:ext uri="smNativeData">
-                <pr:smNativeData xmlns:pr="smNativeData" xmlns="smNativeData" val="SMDATA_15_D/RJaRMAAAAlAAAAZAAAAA0AAAAAkAAAAEgAAACQAAAASAAAAAAAAAABAAAAAAAAAAEAAABQAAAAAAAAAAAA4D8AAAAAAADgPwAAAAAAAOA/AAAAAAAA4D8AAAAAAADgPwAAAAAAAOA/AAAAAAAA4D8AAAAAAADgPwAAAAAAAOA/AAAAAAAA4D8CAAAAjAAAAAAAAAAAAAAAu+DjDP///wgAAAAAAAAAAAAAAAAAAAAAAAAAAAAAAAAAAAAAZAAAAAEAAABAAAAAAAAAAAAAAAAAAAAAAAAAAAAAAAAAAAAAAAAAAAAAAAAAAAAAAAAAAAAAAAAAAAAAAAAAAAAAAAAAAAAAAAAAAAAAAAAAAAAAAAAAAAAAAAAAAAAAFAAAADwAAAAAAAAAAAAAAAAAAAkUAAAAAQAAABQAAAAUAAAAFAAAAAEAAAAAAAAAZAAAAGQAAAAAAAAAZAAAAGQAAAAVAAAAYAAAAAAAAAAAAAAADwAAACADAAAAAAAAAAAAAAEAAACgMgAAVgcAAKr4//8BAAAAf39/AAEAAABkAAAAAAAAABQAAABAHwAAAAAAACYAAAAAAAAAwOD//wAAAAAmAAAAZAAAABYAAABMAAAAAAAAAAAAAAAEAAAAAAAAAAEAAACAgIAKAAAAACgAAAAoAAAAZAAAAGQAAAAAAAAAzMzMAAAAAABQAAAAUAAAAGQAAABkAAAAAAAAABcAAAAUAAAAAAAAAAAAAAD/fwAA/38AAAAAAAAJAAAABAAAAF8AYAAeAAAAaAAAAAAAAAAAAAAAAAAAAAAAAAAAAAAAECcAABAnAAAAAAAAAAAAAAAAAAAAAAAAAAAAAAAAAAAAAAAAAAAAABQAAAAAAAAAwMD/AAAAAABkAAAAMgAAAAAAAABkAAAAAAAAAH9/fwAKAAAAIgAAABgAAAAAAAAAAAAAAAAAAAAAAAAAAAAAAAAAAAAkAAAAJAAAAAAAAAAHAAAAAAAAAAAAAAAAAAAAAAAAAAAAAAAAAAAAf39/ACUAAABYAAAAAAAAAAAAAAAAAAAAAAAAAAAAAAAAAAAAAAAAAAAAAAAAAAAAAAAAAAAAAAA/AAAAAAAAAKCGAQAAAAAAAAAAAAAAAAAMAAAAAQAAAAAAAAAAAAAAAAAAAB8AAABUAAAAAAAABQAAAAEAAAAAAAAAAAAAAAAAAAAAAAAAAAAAAAAAAAAAAAAAAAAAAAJ/f38AAAAAA8zMzADAwP8Af39/AAAAAAAAAAAAAAAAAAAAAAAAAAAAIQAAABgAAAAUAAAAwAMAALABAABARwAAuAgAABAAAAAmAAAACAAAAAAAAAAAAAAA"/>
+                <pr:smNativeData xmlns:pr="smNativeData" xmlns="smNativeData" val="SMDATA_15_PhJKaRMAAAAlAAAAZAAAAA0AAAAAkAAAAEgAAACQAAAASAAAAAAAAAABAAAAAAAAAAEAAABQAAAAAAAAAAAA4D8AAAAAAADgPwAAAAAAAOA/AAAAAAAA4D8AAAAAAADgPwAAAAAAAOA/AAAAAAAA4D8AAAAAAADgPwAAAAAAAOA/AAAAAAAA4D8CAAAAjAAAAAAAAAAAAAAAu+DjDP///wgAAAAAAAAAAAAAAAAAAAAAAAAAAAAAAAAAAAAAZAAAAAEAAABAAAAAAAAAAAAAAAAAAAAAAAAAAAAAAAAAAAAAAAAAAAAAAAAAAAAAAAAAAAAAAAAAAAAAAAAAAAAAAAAAAAAAAAAAAAAAAAAAAAAAAAAAAAAAAAAAAAAAFAAAADwAAAAAAAAAAAAAAAAAAAkUAAAAAQAAABQAAAAUAAAAFAAAAAEAAAAAAAAAZAAAAGQAAAAAAAAAZAAAAGQAAAAVAAAAYAAAAAAAAAAAAAAADwAAACADAAAAAAAAAAAAAAEAAACgMgAAVgcAAKr4//8BAAAAf39/AAEAAABkAAAAAAAAABQAAABAHwAAAAAAACYAAAAAAAAAwOD//wAAAAAmAAAAZAAAABYAAABMAAAAAAAAAAAAAAAEAAAAAAAAAAEAAACAgIAKAAAAACgAAAAoAAAAZAAAAGQAAAAAAAAAzMzMAAAAAABQAAAAUAAAAGQAAABkAAAAAAAAABcAAAAUAAAAAAAAAAAAAAD/fwAA/38AAAAAAAAJAAAABAAAAF8AYAAeAAAAaAAAAAAAAAAAAAAAAAAAAAAAAAAAAAAAECcAABAnAAAAAAAAAAAAAAAAAAAAAAAAAAAAAAAAAAAAAAAAAAAAABQAAAAAAAAAwMD/AAAAAABkAAAAMgAAAAAAAABkAAAAAAAAAH9/fwAKAAAAIgAAABgAAAAAAAAAAAAAAAAAAAAAAAAAAAAAAAAAAAAkAAAAJAAAAAAAAAAHAAAAAAAAAAAAAAAAAAAAAAAAAAAAAAAAAAAAf39/ACUAAABYAAAAAAAAAAAAAAAAAAAAAAAAAAAAAAAAAAAAAAAAAAAAAAAAAAAAAAAAAAAAAAA/AAAAAAAAAKCGAQAAAAAAAAAAAAAAAAAMAAAAAQAAAAAAAAAAAAAAAAAAAB8AAABUAAAAAAAABQAAAAEAAAAAAAAAAAAAAAAAAAAAAAAAAAAAAAAAAAAAAAAAAAAAAAJ/f38AAAAAA8zMzADAwP8Af39/AAAAAAAAAAAAAAAAAAAAAAAAAAAAIQAAABgAAAAUAAAAwAMAALABAABARwAAuAgAABAAAAAmAAAACAAAAAAAAAAAAAAA"/>
               </a:ext>
             </a:extLst>
           </p:cNvSpPr>
@@ -4848,7 +5025,7 @@
           <a:p>
             <a:pPr/>
             <a:r>
-              <a:t>Computer PyTorch installs</a:t>
+              <a:t>Conda install</a:t>
             </a:r>
           </a:p>
         </p:txBody>
@@ -4860,7 +5037,7 @@
             <a:spLocks noGrp="1" noChangeArrowheads="1"/>
             <a:extLst>
               <a:ext uri="smNativeData">
-                <pr:smNativeData xmlns:pr="smNativeData" xmlns="smNativeData" val="SMDATA_15_D/RJaRMAAAAlAAAAZAAAAA0AAAAAkAAAAEgAAACQAAAASAAAAAAAAAAAAAAAAAAAAAEAAABQAAAAAAAAAAAA4D8AAAAAAADgPwAAAAAAAOA/AAAAAAAA4D8AAAAAAADgPwAAAAAAAOA/AAAAAAAA4D8AAAAAAADgPwAAAAAAAOA/AAAAAAAA4D8CAAAAjAAAAAAAAAAAAAAAu+DjDP///wgAAAAAAAAAAAAAAAAAAAAAAAAAAAAAAAAAAAAAZAAAAAEAAABAAAAAAAAAAAAAAAAAAAAAAAAAAAAAAAAAAAAAAAAAAAAAAAAAAAAAAAAAAAAAAAAAAAAAAAAAAAAAAAAAAAAAAAAAAAAAAAAAAAAAAAAAAAAAAAAAAAAAFAAAADwAAAAAAAAAAAAAAAAAAAkUAAAAAQAAABQAAAAUAAAAFAAAAAEAAAAAAAAAZAAAAGQAAAAAAAAAZAAAAGQAAAAVAAAAYAAAAAAAAAAAAAAADwAAACADAAAAAAAAAAAAAAEAAACgMgAAVgcAAKr4//8BAAAAf39/AAEAAABkAAAAAAAAABQAAABAHwAAAAAAACYAAAAAAAAAwOD//wAAAAAmAAAAZAAAABYAAABMAAAAAAAAAAAAAAAEAAAAAAAAAAEAAACAgIAKAAAAACgAAAAoAAAAZAAAAGQAAAAAAAAAzMzMAAAAAABQAAAAUAAAAGQAAABkAAAAAAAAABcAAAAUAAAAAAAAAAAAAAD/fwAA/38AAAAAAAAJAAAABAAAAF8AYAAeAAAAaAAAAAAAAAAAAAAAAAAAAAAAAAAAAAAAECcAABAnAAAAAAAAAAAAAAAAAAAAAAAAAAAAAAAAAAAAAAAAAAAAABQAAAAAAAAAwMD/AAAAAABkAAAAMgAAAAAAAABkAAAAAAAAAH9/fwAKAAAAIgAAABgAAAAAAAAAAAAAAAAAAAAAAAAAAAAAAAAAAAAkAAAAJAAAAAAAAAAHAAAAAAAAAAAAAAAAAAAAAAAAAAAAAAAAAAAAf39/ACUAAABYAAAAAAAAAAAAAAAAAAAAAAAAAAAAAAAAAAAAAAAAAAAAAAAAAAAAAAAAAAAAAAA/AAAAAAAAAKCGAQAAAAAAAAAAAAAAAAAMAAAAAQAAAAAAAAAAAAAAAAAAAB8AAABUAAAAAAAABQAAAAEAAAAAAAAAAAAAAAAAAAAAAAAAAAAAAAAAAAAAAAAAAAAAAAJ/f38AAAAAA8zMzADAwP8Af39/AAAAAAAAAAAAAAAAAAAAAAAAAAAAIQAAABgAAAAUAAAAwAMAANgJAABARwAAsCUAABAAAAAmAAAACAAAAAAAAAAAAAAA"/>
+                <pr:smNativeData xmlns:pr="smNativeData" xmlns="smNativeData" val="SMDATA_15_PhJKaRMAAAAlAAAAZAAAAA0AAAAAkAAAAEgAAACQAAAASAAAAAAAAAAAAAAAAAAAAAEAAABQAAAAAAAAAAAA4D8AAAAAAADgPwAAAAAAAOA/AAAAAAAA4D8AAAAAAADgPwAAAAAAAOA/AAAAAAAA4D8AAAAAAADgPwAAAAAAAOA/AAAAAAAA4D8CAAAAjAAAAAAAAAAAAAAAu+DjDP///wgAAAAAAAAAAAAAAAAAAAAAAAAAAAAAAAAAAAAAZAAAAAEAAABAAAAAAAAAAAAAAAAAAAAAAAAAAAAAAAAAAAAAAAAAAAAAAAAAAAAAAAAAAAAAAAAAAAAAAAAAAAAAAAAAAAAAAAAAAAAAAAAAAAAAAAAAAAAAAAAAAAAAFAAAADwAAAAAAAAAAAAAAAAAAAkUAAAAAQAAABQAAAAUAAAAFAAAAAEAAAAAAAAAZAAAAGQAAAAAAAAAZAAAAGQAAAAVAAAAYAAAAAAAAAAAAAAADwAAACADAAAAAAAAAAAAAAEAAACgMgAAVgcAAKr4//8BAAAAf39/AAEAAABkAAAAAAAAABQAAABAHwAAAAAAACYAAAAAAAAAwOD//wAAAAAmAAAAZAAAABYAAABMAAAAAAAAAAAAAAAEAAAAAAAAAAEAAACAgIAKAAAAACgAAAAoAAAAZAAAAGQAAAAAAAAAzMzMAAAAAABQAAAAUAAAAGQAAABkAAAAAAAAABcAAAAUAAAAAAAAAAAAAAD/fwAA/38AAAAAAAAJAAAABAAAAPz///8eAAAAaAAAAAAAAAAAAAAAAAAAAAAAAAAAAAAAECcAABAnAAAAAAAAAAAAAAAAAAAAAAAAAAAAAAAAAAAAAAAAAAAAABQAAAAAAAAAwMD/AAAAAABkAAAAMgAAAAAAAABkAAAAAAAAAH9/fwAKAAAAIgAAABgAAAAAAAAAAAAAAAAAAAAAAAAAAAAAAAAAAAAkAAAAJAAAAAAAAAAHAAAAAAAAAAAAAAAAAAAAAAAAAAAAAAAAAAAAf39/ACUAAABYAAAAAAAAAAAAAAAAAAAAAAAAAAAAAAAAAAAAAAAAAAAAAAAAAAAAAAAAAAAAAAA/AAAAAAAAAKCGAQAAAAAAAAAAAAAAAAAMAAAAAQAAAAAAAAAAAAAAAAAAAB8AAABUAAAAAAAABQAAAAEAAAAAAAAAAAAAAAAAAAAAAAAAAAAAAAAAAAAAAAAAAAAAAAJ/f38AAAAAA8zMzADAwP8Af39/AAAAAAAAAAAAAAAAAAAAAAAAAAAAIQAAABgAAAAUAAAAwAMAANgJAABARwAAsCUAABAAAAAmAAAACAAAAAAAAAAAAAAA"/>
               </a:ext>
             </a:extLst>
           </p:cNvSpPr>
@@ -4875,101 +5052,56 @@
           <a:p>
             <a:pPr/>
             <a:r>
-              <a:t>main Win10 Ryzen5 7600X3D 4100Mhz 64gb RTX3060 12gb:</a:t>
+              <a:t>Prefer using ‘conda install’ over ’pip install’, like:</a:t>
             </a:r>
           </a:p>
           <a:p>
             <a:pPr lvl="1"/>
             <a:r>
-              <a:t>Has Python 3.9 PyTorch that works in Visual Studio</a:t>
-            </a:r>
-          </a:p>
-          <a:p>
-            <a:pPr/>
-            <a:r>
-              <a:t>Ubuntu Ryzen 5 5500 2400Mhz 32gb RTX4060Ti 16gb:</a:t>
-            </a:r>
-          </a:p>
-          <a:p>
-            <a:pPr lvl="1">
-              <a:defRPr sz="2000" cap="none"/>
-            </a:pPr>
-            <a:r>
-              <a:t>Visual Studio Code will run the conda environments including:</a:t>
-            </a:r>
-          </a:p>
-          <a:p>
-            <a:pPr lvl="2">
-              <a:defRPr sz="1600" cap="none"/>
-            </a:pPr>
-            <a:r>
-              <a:t>ldm</a:t>
-            </a:r>
-          </a:p>
-          <a:p>
-            <a:pPr lvl="2">
-              <a:defRPr sz="1600" cap="none"/>
-            </a:pPr>
-            <a:r>
-              <a:t>pytorchbook</a:t>
-            </a:r>
-          </a:p>
-          <a:p>
-            <a:pPr lvl="1">
-              <a:defRPr sz="2000" cap="none"/>
-            </a:pPr>
-            <a:r>
-              <a:t>*But how to debug on Linux?!?</a:t>
-            </a:r>
-          </a:p>
-          <a:p>
-            <a:pPr lvl="1">
-              <a:defRPr sz="2000" cap="none"/>
-            </a:pPr>
-            <a:r>
-              <a:t>The pytorch jupyter notebooks seem to work well with it.</a:t>
+              <a:t>conda install pytorch torchvision torchaudio cudatoolkit=10.2 -c</a:t>
             </a:r>
           </a:p>
           <a:p>
             <a:pPr lvl="1"/>
             <a:r>
-              <a:rPr sz="2000" cap="none"/>
-              <a:t>Probably better to ‘conda pytorchnotebook’ and then ‘code’ to get into Visual Studio Code</a:t>
-            </a:r>
-            <a:endParaRPr sz="2000" cap="none"/>
-          </a:p>
-          <a:p>
-            <a:pPr/>
-            <a:r>
-              <a:t>Laptop Win11 i5-134020H 2100Mhz 16gb RTX4050 6gb:</a:t>
+              <a:t>conda install -c conda-forge tensorboard</a:t>
+            </a:r>
+          </a:p>
+          <a:p>
+            <a:pPr lvl="2"/>
+            <a:r>
+              <a:t>*tensorboard was made for tensorflow BUT can be used w/PyTorch</a:t>
             </a:r>
           </a:p>
           <a:p>
             <a:pPr lvl="1"/>
             <a:r>
-              <a:t>Has Python 3.9 PyTorch that works in Visual Studio</a:t>
-            </a:r>
-          </a:p>
-          <a:p>
-            <a:pPr/>
-            <a:r>
-              <a:t>Gaming Win11 Ryzen9 7900X(12c) 32gb RTX5070 12gb</a:t>
-            </a:r>
-          </a:p>
-          <a:p>
-            <a:pPr/>
-            <a:r>
-              <a:t>Mac Mini 16GB: PyTorch is possible but slow</a:t>
+              <a:t>pip install torchviz</a:t>
+            </a:r>
+          </a:p>
+          <a:p>
+            <a:pPr lvl="2"/>
+            <a:r>
+              <a:t>*sometimes conda install option not available.</a:t>
+            </a:r>
+          </a:p>
+          <a:p>
+            <a:pPr lvl="2"/>
+            <a:r>
+              <a:t>*Torchviz requires GraphViz to be installed first.</a:t>
+            </a:r>
+          </a:p>
+          <a:p>
+            <a:pPr/>
+            <a:r>
+              <a:t>Often need to create environment (like PyTorchStepByStep):</a:t>
             </a:r>
           </a:p>
           <a:p>
             <a:pPr lvl="1"/>
-          </a:p>
-          <a:p>
-            <a:pPr lvl="1"/>
-          </a:p>
-          <a:p>
-            <a:pPr lvl="1"/>
+            <a:r>
+              <a:t>conda env create -f environment.yaml</a:t>
+            </a:r>
           </a:p>
         </p:txBody>
       </p:sp>
@@ -5012,7 +5144,7 @@
             <a:spLocks noGrp="1" noChangeArrowheads="1"/>
             <a:extLst>
               <a:ext uri="smNativeData">
-                <pr:smNativeData xmlns:pr="smNativeData" xmlns="smNativeData" val="SMDATA_15_D/RJaRMAAAAlAAAAZAAAAA0AAAAAkAAAAEgAAACQAAAASAAAAAAAAAABAAAAAAAAAAEAAABQAAAAAAAAAAAA4D8AAAAAAADgPwAAAAAAAOA/AAAAAAAA4D8AAAAAAADgPwAAAAAAAOA/AAAAAAAA4D8AAAAAAADgPwAAAAAAAOA/AAAAAAAA4D8CAAAAjAAAAAAAAAAAAAAAu+DjDP///wgAAAAAAAAAAAAAAAAAAAAAAAAAAAAAAAAAAAAAZAAAAAEAAABAAAAAAAAAAAAAAAAAAAAAAAAAAAAAAAAAAAAAAAAAAAAAAAAAAAAAAAAAAAAAAAAAAAAAAAAAAAAAAAAAAAAAAAAAAAAAAAAAAAAAAAAAAAAAAAAAAAAAFAAAADwAAAAAAAAAAAAAAAAAAAkUAAAAAQAAABQAAAAUAAAAFAAAAAEAAAAAAAAAZAAAAGQAAAAAAAAAZAAAAGQAAAAVAAAAYAAAAAAAAAAAAAAADwAAACADAAAAAAAAAAAAAAEAAACgMgAAVgcAAKr4//8BAAAAf39/AAEAAABkAAAAAAAAABQAAABAHwAAAAAAACYAAAAAAAAAwOD//wAAAAAmAAAAZAAAABYAAABMAAAAAAAAAAAAAAAEAAAAAAAAAAEAAACAgIAKAAAAACgAAAAoAAAAZAAAAGQAAAAAAAAAzMzMAAAAAABQAAAAUAAAAGQAAABkAAAAAAAAABcAAAAUAAAAAAAAAAAAAAD/fwAA/38AAAAAAAAJAAAABAAAAAAAAAAeAAAAaAAAAAAAAAAAAAAAAAAAAAAAAAAAAAAAECcAABAnAAAAAAAAAAAAAAAAAAAAAAAAAAAAAAAAAAAAAAAAAAAAABQAAAAAAAAAwMD/AAAAAABkAAAAMgAAAAAAAABkAAAAAAAAAH9/fwAKAAAAIgAAABgAAAAAAAAAAAAAAAAAAAAAAAAAAAAAAAAAAAAkAAAAJAAAAAAAAAAHAAAAAAAAAAAAAAAAAAAAAAAAAAAAAAAAAAAAf39/ACUAAABYAAAAAAAAAAAAAAAAAAAAAAAAAAAAAAAAAAAAAAAAAAAAAAAAAAAAAAAAAAAAAAA/AAAAAAAAAKCGAQAAAAAAAAAAAAAAAAAMAAAAAQAAAAAAAAAAAAAAAAAAAB8AAABUAAAAAAAABQAAAAEAAAAAAAAAAAAAAAAAAAAAAAAAAAAAAAAAAAAAAAAAAAAAAAJ/f38AAAAAA8zMzADAwP8Af39/AAAAAAAAAAAAAAAAAAAAAAAAAAAAIQAAABgAAAAUAAAAwAMAALABAABARwAAuAgAABAAAAAmAAAACAAAAAAAAAAAAAAA"/>
+                <pr:smNativeData xmlns:pr="smNativeData" xmlns="smNativeData" val="SMDATA_15_PhJKaRMAAAAlAAAAZAAAAA0AAAAAkAAAAEgAAACQAAAASAAAAAAAAAABAAAAAAAAAAEAAABQAAAAAAAAAAAA4D8AAAAAAADgPwAAAAAAAOA/AAAAAAAA4D8AAAAAAADgPwAAAAAAAOA/AAAAAAAA4D8AAAAAAADgPwAAAAAAAOA/AAAAAAAA4D8CAAAAjAAAAAAAAAAAAAAAu+DjDP///wgAAAAAAAAAAAAAAAAAAAAAAAAAAAAAAAAAAAAAZAAAAAEAAABAAAAAAAAAAAAAAAAAAAAAAAAAAAAAAAAAAAAAAAAAAAAAAAAAAAAAAAAAAAAAAAAAAAAAAAAAAAAAAAAAAAAAAAAAAAAAAAAAAAAAAAAAAAAAAAAAAAAAFAAAADwAAAAAAAAAAAAAAAAAAAkUAAAAAQAAABQAAAAUAAAAFAAAAAEAAAAAAAAAZAAAAGQAAAAAAAAAZAAAAGQAAAAVAAAAYAAAAAAAAAAAAAAADwAAACADAAAAAAAAAAAAAAEAAACgMgAAVgcAAKr4//8BAAAAf39/AAEAAABkAAAAAAAAABQAAABAHwAAAAAAACYAAAAAAAAAwOD//wAAAAAmAAAAZAAAABYAAABMAAAAAAAAAAAAAAAEAAAAAAAAAAEAAACAgIAKAAAAACgAAAAoAAAAZAAAAGQAAAAAAAAAzMzMAAAAAABQAAAAUAAAAGQAAABkAAAAAAAAABcAAAAUAAAAAAAAAAAAAAD/fwAA/38AAAAAAAAJAAAABAAAAF8AYAAeAAAAaAAAAAAAAAAAAAAAAAAAAAAAAAAAAAAAECcAABAnAAAAAAAAAAAAAAAAAAAAAAAAAAAAAAAAAAAAAAAAAAAAABQAAAAAAAAAwMD/AAAAAABkAAAAMgAAAAAAAABkAAAAAAAAAH9/fwAKAAAAIgAAABgAAAAAAAAAAAAAAAAAAAAAAAAAAAAAAAAAAAAkAAAAJAAAAAAAAAAHAAAAAAAAAAAAAAAAAAAAAAAAAAAAAAAAAAAAf39/ACUAAABYAAAAAAAAAAAAAAAAAAAAAAAAAAAAAAAAAAAAAAAAAAAAAAAAAAAAAAAAAAAAAAA/AAAAAAAAAKCGAQAAAAAAAAAAAAAAAAAMAAAAAQAAAAAAAAAAAAAAAAAAAB8AAABUAAAAAAAABQAAAAEAAAAAAAAAAAAAAAAAAAAAAAAAAAAAAAAAAAAAAAAAAAAAAAJ/f38AAAAAA8zMzADAwP8Af39/AAAAAAAAAAAAAAAAAAAAAAAAAAAAIQAAABgAAAAUAAAAwAMAALABAABARwAAuAgAABAAAAAmAAAACAAAAAAAAAAAAAAA"/>
               </a:ext>
             </a:extLst>
           </p:cNvSpPr>
@@ -5027,7 +5159,7 @@
           <a:p>
             <a:pPr/>
             <a:r>
-              <a:t>Books and what they cover</a:t>
+              <a:t>Computer PyTorch installs</a:t>
             </a:r>
           </a:p>
         </p:txBody>
@@ -5039,7 +5171,7 @@
             <a:spLocks noGrp="1" noChangeArrowheads="1"/>
             <a:extLst>
               <a:ext uri="smNativeData">
-                <pr:smNativeData xmlns:pr="smNativeData" xmlns="smNativeData" val="SMDATA_15_D/RJaRMAAAAlAAAAZAAAAA0AAAAAkAAAAEgAAACQAAAASAAAAAAAAAAAAAAAAAAAAAEAAABQAAAAAAAAAAAA4D8AAAAAAADgPwAAAAAAAOA/AAAAAAAA4D8AAAAAAADgPwAAAAAAAOA/AAAAAAAA4D8AAAAAAADgPwAAAAAAAOA/AAAAAAAA4D8CAAAAjAAAAAAAAAAAAAAAu+DjDP///wgAAAAAAAAAAAAAAAAAAAAAAAAAAAAAAAAAAAAAZAAAAAEAAABAAAAAAAAAAAAAAAAAAAAAAAAAAAAAAAAAAAAAAAAAAAAAAAAAAAAAAAAAAAAAAAAAAAAAAAAAAAAAAAAAAAAAAAAAAAAAAAAAAAAAAAAAAAAAAAAAAAAAFAAAADwAAAAAAAAAAAAAAAAAAAkUAAAAAQAAABQAAAAUAAAAFAAAAAEAAAAAAAAAZAAAAGQAAAAAAAAAZAAAAGQAAAAVAAAAYAAAAAAAAAAAAAAADwAAACADAAAAAAAAAAAAAAEAAACgMgAAVgcAAKr4//8BAAAAf39/AAEAAABkAAAAAAAAABQAAABAHwAAAAAAACYAAAAAAAAAwOD//wAAAAAmAAAAZAAAABYAAABMAAAAAAAAAAAAAAAEAAAAAAAAAAEAAACAgIAKAAAAACgAAAAoAAAAZAAAAGQAAAAAAAAAzMzMAAAAAABQAAAAUAAAAGQAAABkAAAAAAAAABcAAAAUAAAAAAAAAAAAAAD/fwAA/38AAAAAAAAJAAAABAAAABIAAAAeAAAAaAAAAAAAAAAAAAAAAAAAAAAAAAAAAAAAECcAABAnAAAAAAAAAAAAAAAAAAAAAAAAAAAAAAAAAAAAAAAAAAAAABQAAAAAAAAAwMD/AAAAAABkAAAAMgAAAAAAAABkAAAAAAAAAH9/fwAKAAAAIgAAABgAAAAAAAAAAAAAAAAAAAAAAAAAAAAAAAAAAAAkAAAAJAAAAAAAAAAHAAAAAAAAAAAAAAAAAAAAAAAAAAAAAAAAAAAAf39/ACUAAABYAAAAAAAAAAAAAAAAAAAAAAAAAAAAAAAAAAAAAAAAAAAAAAAAAAAAAAAAAAAAAAA/AAAAAAAAAKCGAQAAAAAAAAAAAAAAAAAMAAAAAQAAAAAAAAAAAAAAAAAAAB8AAABUAAAAAAAABQAAAAEAAAAAAAAAAAAAAAAAAAAAAAAAAAAAAAAAAAAAAAAAAAAAAAJ/f38AAAAAA8zMzADAwP8Af39/AAAAAAAAAAAAAAAAAAAAAAAAAAAAIQAAABgAAAAUAAAAwAMAANgJAABARwAAsCUAABAAAAAmAAAACAAAAAAAAAAAAAAA"/>
+                <pr:smNativeData xmlns:pr="smNativeData" xmlns="smNativeData" val="SMDATA_15_PhJKaRMAAAAlAAAAZAAAAA0AAAAAkAAAAEgAAACQAAAASAAAAAAAAAAAAAAAAAAAAAEAAABQAAAAAAAAAAAA4D8AAAAAAADgPwAAAAAAAOA/AAAAAAAA4D8AAAAAAADgPwAAAAAAAOA/AAAAAAAA4D8AAAAAAADgPwAAAAAAAOA/AAAAAAAA4D8CAAAAjAAAAAAAAAAAAAAAu+DjDP///wgAAAAAAAAAAAAAAAAAAAAAAAAAAAAAAAAAAAAAZAAAAAEAAABAAAAAAAAAAAAAAAAAAAAAAAAAAAAAAAAAAAAAAAAAAAAAAAAAAAAAAAAAAAAAAAAAAAAAAAAAAAAAAAAAAAAAAAAAAAAAAAAAAAAAAAAAAAAAAAAAAAAAFAAAADwAAAAAAAAAAAAAAAAAAAkUAAAAAQAAABQAAAAUAAAAFAAAAAEAAAAAAAAAZAAAAGQAAAAAAAAAZAAAAGQAAAAVAAAAYAAAAAAAAAAAAAAADwAAACADAAAAAAAAAAAAAAEAAACgMgAAVgcAAKr4//8BAAAAf39/AAEAAABkAAAAAAAAABQAAABAHwAAAAAAACYAAAAAAAAAwOD//wAAAAAmAAAAZAAAABYAAABMAAAAAAAAAAAAAAAEAAAAAAAAAAEAAACAgIAKAAAAACgAAAAoAAAAZAAAAGQAAAAAAAAAzMzMAAAAAABQAAAAUAAAAGQAAABkAAAAAAAAABcAAAAUAAAAAAAAAAAAAAD/fwAA/38AAAAAAAAJAAAABAAAAF8AYAAeAAAAaAAAAAAAAAAAAAAAAAAAAAAAAAAAAAAAECcAABAnAAAAAAAAAAAAAAAAAAAAAAAAAAAAAAAAAAAAAAAAAAAAABQAAAAAAAAAwMD/AAAAAABkAAAAMgAAAAAAAABkAAAAAAAAAH9/fwAKAAAAIgAAABgAAAAAAAAAAAAAAAAAAAAAAAAAAAAAAAAAAAAkAAAAJAAAAAAAAAAHAAAAAAAAAAAAAAAAAAAAAAAAAAAAAAAAAAAAf39/ACUAAABYAAAAAAAAAAAAAAAAAAAAAAAAAAAAAAAAAAAAAAAAAAAAAAAAAAAAAAAAAAAAAAA/AAAAAAAAAKCGAQAAAAAAAAAAAAAAAAAMAAAAAQAAAAAAAAAAAAAAAAAAAB8AAABUAAAAAAAABQAAAAEAAAAAAAAAAAAAAAAAAAAAAAAAAAAAAAAAAAAAAAAAAAAAAAJ/f38AAAAAA8zMzADAwP8Af39/AAAAAAAAAAAAAAAAAAAAAAAAAAAAIQAAABgAAAAUAAAAwAMAANgJAABARwAAsCUAABAAAAAmAAAACAAAAAAAAAAAAAAA"/>
               </a:ext>
             </a:extLst>
           </p:cNvSpPr>
@@ -5052,11 +5184,21 @@
           <a:bodyPr/>
           <a:lstStyle/>
           <a:p>
-            <a:pPr>
-              <a:defRPr sz="2400" cap="none"/>
-            </a:pPr>
-            <a:r>
-              <a:t>Deep Learning with PyTorch step-by-step :</a:t>
+            <a:pPr/>
+            <a:r>
+              <a:t>main Win10 Ryzen5 7600X3D 4100Mhz 64gb RTX3060 12gb:</a:t>
+            </a:r>
+          </a:p>
+          <a:p>
+            <a:pPr lvl="1"/>
+            <a:r>
+              <a:t>Has Python 3.9 PyTorch that works in Visual Studio</a:t>
+            </a:r>
+          </a:p>
+          <a:p>
+            <a:pPr/>
+            <a:r>
+              <a:t>Ubuntu Ryzen 5 5500 2400Mhz 32gb RTX4060Ti 16gb:</a:t>
             </a:r>
           </a:p>
           <a:p>
@@ -5064,7 +5206,23 @@
               <a:defRPr sz="2000" cap="none"/>
             </a:pPr>
             <a:r>
-              <a:t>Daniel Voigt Godoy, 2024 v1.2, PyTorch</a:t>
+              <a:t>Visual Studio Code will run the conda environments including:</a:t>
+            </a:r>
+          </a:p>
+          <a:p>
+            <a:pPr lvl="2">
+              <a:defRPr sz="1600" cap="none"/>
+            </a:pPr>
+            <a:r>
+              <a:t>ldm</a:t>
+            </a:r>
+          </a:p>
+          <a:p>
+            <a:pPr lvl="2">
+              <a:defRPr sz="1600" cap="none"/>
+            </a:pPr>
+            <a:r>
+              <a:t>pytorchbook</a:t>
             </a:r>
           </a:p>
           <a:p>
@@ -5072,7 +5230,7 @@
               <a:defRPr sz="2000" cap="none"/>
             </a:pPr>
             <a:r>
-              <a:t>Have paperback &amp; Kindle version. There is Volume II and III, though, I don’t have.</a:t>
+              <a:t>*But how to debug on Linux?!?</a:t>
             </a:r>
           </a:p>
           <a:p>
@@ -5080,96 +5238,49 @@
               <a:defRPr sz="2000" cap="none"/>
             </a:pPr>
             <a:r>
-              <a:t>\git\PyTorchStepByStep</a:t>
-            </a:r>
-          </a:p>
-          <a:p>
-            <a:pPr>
-              <a:defRPr sz="2400" cap="none"/>
-            </a:pPr>
-            <a:r>
-              <a:t>Deep Learning with PyTorch:</a:t>
-            </a:r>
-          </a:p>
-          <a:p>
-            <a:pPr lvl="1">
-              <a:defRPr sz="2000" cap="none"/>
-            </a:pPr>
-            <a:r>
-              <a:t>Stevens / Antiga / Viehmann, 2020, PyTorch</a:t>
-            </a:r>
-          </a:p>
-          <a:p>
-            <a:pPr lvl="1">
-              <a:defRPr sz="2000" cap="none"/>
-            </a:pPr>
-            <a:r>
-              <a:t>\git\dlwpt-code</a:t>
-            </a:r>
-          </a:p>
-          <a:p>
-            <a:pPr lvl="1">
-              <a:defRPr sz="2000" cap="none"/>
-            </a:pPr>
-            <a:r>
-              <a:t>Have paperback.</a:t>
-            </a:r>
-          </a:p>
-          <a:p>
-            <a:pPr>
-              <a:defRPr sz="2400" cap="none"/>
-            </a:pPr>
-            <a:r>
-              <a:t>Deep Learning for Dummies 2019:</a:t>
-            </a:r>
-          </a:p>
-          <a:p>
-            <a:pPr lvl="1">
-              <a:defRPr sz="2000" cap="none"/>
-            </a:pPr>
-            <a:r>
-              <a:t>Tensorflow &amp; Keras</a:t>
-            </a:r>
-          </a:p>
-          <a:p>
-            <a:pPr lvl="1">
-              <a:defRPr sz="2000" cap="none"/>
-            </a:pPr>
-            <a:r>
-              <a:t>\git\dl4dummies</a:t>
-            </a:r>
-          </a:p>
-          <a:p>
-            <a:pPr>
-              <a:defRPr sz="2400" cap="none"/>
-            </a:pPr>
-            <a:r>
-              <a:t>Deep Learning with Python 2018:</a:t>
-            </a:r>
-          </a:p>
-          <a:p>
-            <a:pPr lvl="1">
-              <a:defRPr sz="2000" cap="none"/>
-            </a:pPr>
-            <a:r>
-              <a:t>Tensorflow &amp; Keras</a:t>
+              <a:t>The pytorch jupyter notebooks seem to work well with it.</a:t>
             </a:r>
           </a:p>
           <a:p>
             <a:pPr lvl="1"/>
             <a:r>
               <a:rPr sz="2000" cap="none"/>
-              <a:t>\git\deep-learning-with-python-notebooks</a:t>
-            </a:r>
-            <a:endParaRPr sz="2400" cap="none"/>
-          </a:p>
-          <a:p>
-            <a:pPr/>
-            <a:endParaRPr sz="2400" cap="none"/>
-          </a:p>
-          <a:p>
-            <a:pPr/>
-            <a:endParaRPr sz="2400" cap="none"/>
+              <a:t>Probably better to ‘conda pytorchnotebook’ and then ‘code’ to get into Visual Studio Code</a:t>
+            </a:r>
+            <a:endParaRPr sz="2000" cap="none"/>
+          </a:p>
+          <a:p>
+            <a:pPr/>
+            <a:r>
+              <a:t>Laptop Win11 i5-134020H 2100Mhz 16gb RTX4050 6gb:</a:t>
+            </a:r>
+          </a:p>
+          <a:p>
+            <a:pPr lvl="1"/>
+            <a:r>
+              <a:t>Has Python 3.9 PyTorch that works in Visual Studio</a:t>
+            </a:r>
+          </a:p>
+          <a:p>
+            <a:pPr/>
+            <a:r>
+              <a:t>Gaming Win11 Ryzen9 7900X(12c) 32gb RTX5070 12gb</a:t>
+            </a:r>
+          </a:p>
+          <a:p>
+            <a:pPr/>
+            <a:r>
+              <a:t>Mac Mini 16GB: PyTorch is possible but slow</a:t>
+            </a:r>
+          </a:p>
+          <a:p>
+            <a:pPr lvl="1"/>
+          </a:p>
+          <a:p>
+            <a:pPr lvl="1"/>
+          </a:p>
+          <a:p>
+            <a:pPr lvl="1"/>
           </a:p>
         </p:txBody>
       </p:sp>
@@ -5212,7 +5323,7 @@
             <a:spLocks noGrp="1" noChangeArrowheads="1"/>
             <a:extLst>
               <a:ext uri="smNativeData">
-                <pr:smNativeData xmlns:pr="smNativeData" xmlns="smNativeData" val="SMDATA_15_D/RJaRMAAAAlAAAAZAAAAA0AAAAAkAAAAEgAAACQAAAASAAAAAAAAAABAAAAAAAAAAEAAABQAAAAAAAAAAAA4D8AAAAAAADgPwAAAAAAAOA/AAAAAAAA4D8AAAAAAADgPwAAAAAAAOA/AAAAAAAA4D8AAAAAAADgPwAAAAAAAOA/AAAAAAAA4D8CAAAAjAAAAAAAAAAAAAAAu+DjDP///wgAAAAAAAAAAAAAAAAAAAAAAAAAAAAAAAAAAAAAZAAAAAEAAABAAAAAAAAAAAAAAAAAAAAAAAAAAAAAAAAAAAAAAAAAAAAAAAAAAAAAAAAAAAAAAAAAAAAAAAAAAAAAAAAAAAAAAAAAAAAAAAAAAAAAAAAAAAAAAAAAAAAAFAAAADwAAAAAAAAAAAAAAAAAAAkUAAAAAQAAABQAAAAUAAAAFAAAAAEAAAAAAAAAZAAAAGQAAAAAAAAAZAAAAGQAAAAVAAAAYAAAAAAAAAAAAAAADwAAACADAAAAAAAAAAAAAAEAAACgMgAAVgcAAKr4//8BAAAAf39/AAEAAABkAAAAAAAAABQAAABAHwAAAAAAACYAAAAAAAAAwOD//wAAAAAmAAAAZAAAABYAAABMAAAAAAAAAAAAAAAEAAAAAAAAAAEAAACAgIAKAAAAACgAAAAoAAAAZAAAAGQAAAAAAAAAzMzMAAAAAABQAAAAUAAAAGQAAABkAAAAAAAAABcAAAAUAAAAAAAAAAAAAAD/fwAA/38AAAAAAAAJAAAABAAAAAAAAAAeAAAAaAAAAAAAAAAAAAAAAAAAAAAAAAAAAAAAECcAABAnAAAAAAAAAAAAAAAAAAAAAAAAAAAAAAAAAAAAAAAAAAAAABQAAAAAAAAAwMD/AAAAAABkAAAAMgAAAAAAAABkAAAAAAAAAH9/fwAKAAAAIgAAABgAAAAAAAAAAAAAAAAAAAAAAAAAAAAAAAAAAAAkAAAAJAAAAAAAAAAHAAAAAAAAAAAAAAAAAAAAAAAAAAAAAAAAAAAAf39/ACUAAABYAAAAAAAAAAAAAAAAAAAAAAAAAAAAAAAAAAAAAAAAAAAAAAAAAAAAAAAAAAAAAAA/AAAAAAAAAKCGAQAAAAAAAAAAAAAAAAAMAAAAAQAAAAAAAAAAAAAAAAAAAB8AAABUAAAAAAAABQAAAAEAAAAAAAAAAAAAAAAAAAAAAAAAAAAAAAAAAAAAAAAAAAAAAAJ/f38AAAAAA8zMzADAwP8Af39/AAAAAAAAAAAAAAAAAAAAAAAAAAAAIQAAABgAAAAUAAAAwAMAALABAABARwAAuAgAABAAAAAmAAAACAAAAAAAAAAAAAAA"/>
+                <pr:smNativeData xmlns:pr="smNativeData" xmlns="smNativeData" val="SMDATA_15_PhJKaRMAAAAlAAAAZAAAAA0AAAAAkAAAAEgAAACQAAAASAAAAAAAAAABAAAAAAAAAAEAAABQAAAAAAAAAAAA4D8AAAAAAADgPwAAAAAAAOA/AAAAAAAA4D8AAAAAAADgPwAAAAAAAOA/AAAAAAAA4D8AAAAAAADgPwAAAAAAAOA/AAAAAAAA4D8CAAAAjAAAAAAAAAAAAAAAu+DjDP///wgAAAAAAAAAAAAAAAAAAAAAAAAAAAAAAAAAAAAAZAAAAAEAAABAAAAAAAAAAAAAAAAAAAAAAAAAAAAAAAAAAAAAAAAAAAAAAAAAAAAAAAAAAAAAAAAAAAAAAAAAAAAAAAAAAAAAAAAAAAAAAAAAAAAAAAAAAAAAAAAAAAAAFAAAADwAAAAAAAAAAAAAAAAAAAkUAAAAAQAAABQAAAAUAAAAFAAAAAEAAAAAAAAAZAAAAGQAAAAAAAAAZAAAAGQAAAAVAAAAYAAAAAAAAAAAAAAADwAAACADAAAAAAAAAAAAAAEAAACgMgAAVgcAAKr4//8BAAAAf39/AAEAAABkAAAAAAAAABQAAABAHwAAAAAAACYAAAAAAAAAwOD//wAAAAAmAAAAZAAAABYAAABMAAAAAAAAAAAAAAAEAAAAAAAAAAEAAACAgIAKAAAAACgAAAAoAAAAZAAAAGQAAAAAAAAAzMzMAAAAAABQAAAAUAAAAGQAAABkAAAAAAAAABcAAAAUAAAAAAAAAAAAAAD/fwAA/38AAAAAAAAJAAAABAAAAAAAAAAeAAAAaAAAAAAAAAAAAAAAAAAAAAAAAAAAAAAAECcAABAnAAAAAAAAAAAAAAAAAAAAAAAAAAAAAAAAAAAAAAAAAAAAABQAAAAAAAAAwMD/AAAAAABkAAAAMgAAAAAAAABkAAAAAAAAAH9/fwAKAAAAIgAAABgAAAAAAAAAAAAAAAAAAAAAAAAAAAAAAAAAAAAkAAAAJAAAAAAAAAAHAAAAAAAAAAAAAAAAAAAAAAAAAAAAAAAAAAAAf39/ACUAAABYAAAAAAAAAAAAAAAAAAAAAAAAAAAAAAAAAAAAAAAAAAAAAAAAAAAAAAAAAAAAAAA/AAAAAAAAAKCGAQAAAAAAAAAAAAAAAAAMAAAAAQAAAAAAAAAAAAAAAAAAAB8AAABUAAAAAAAABQAAAAEAAAAAAAAAAAAAAAAAAAAAAAAAAAAAAAAAAAAAAAAAAAAAAAJ/f38AAAAAA8zMzADAwP8Af39/AAAAAAAAAAAAAAAAAAAAAAAAAAAAIQAAABgAAAAUAAAAwAMAALABAABARwAAuAgAABAAAAAmAAAACAAAAAAAAAAAAAAA"/>
               </a:ext>
             </a:extLst>
           </p:cNvSpPr>
@@ -5227,7 +5338,7 @@
           <a:p>
             <a:pPr/>
             <a:r>
-              <a:t>Dynamic Computation Graph</a:t>
+              <a:t>Books and what they cover</a:t>
             </a:r>
           </a:p>
         </p:txBody>
@@ -5239,7 +5350,7 @@
             <a:spLocks noGrp="1" noChangeArrowheads="1"/>
             <a:extLst>
               <a:ext uri="smNativeData">
-                <pr:smNativeData xmlns:pr="smNativeData" xmlns="smNativeData" val="SMDATA_15_D/RJaRMAAAAlAAAAZAAAAA0AAAAAkAAAAEgAAACQAAAASAAAAAAAAAAAAAAAAAAAAAEAAABQAAAAAAAAAAAA4D8AAAAAAADgPwAAAAAAAOA/AAAAAAAA4D8AAAAAAADgPwAAAAAAAOA/AAAAAAAA4D8AAAAAAADgPwAAAAAAAOA/AAAAAAAA4D8CAAAAjAAAAAAAAAAAAAAAu+DjDP///wgAAAAAAAAAAAAAAAAAAAAAAAAAAAAAAAAAAAAAZAAAAAEAAABAAAAAAAAAAAAAAAAAAAAAAAAAAAAAAAAAAAAAAAAAAAAAAAAAAAAAAAAAAAAAAAAAAAAAAAAAAAAAAAAAAAAAAAAAAAAAAAAAAAAAAAAAAAAAAAAAAAAAFAAAADwAAAAAAAAAAAAAAAAAAAkUAAAAAQAAABQAAAAUAAAAFAAAAAEAAAAAAAAAZAAAAGQAAAAAAAAAZAAAAGQAAAAVAAAAYAAAAAAAAAAAAAAADwAAACADAAAAAAAAAAAAAAEAAACgMgAAVgcAAKr4//8BAAAAf39/AAEAAABkAAAAAAAAABQAAABAHwAAAAAAACYAAAAAAAAAwOD//wAAAAAmAAAAZAAAABYAAABMAAAAAAAAAAAAAAAEAAAAAAAAAAEAAACAgIAKAAAAACgAAAAoAAAAZAAAAGQAAAAAAAAAzMzMAAAAAABQAAAAUAAAAGQAAABkAAAAAAAAABcAAAAUAAAAAAAAAAAAAAD/fwAA/38AAAAAAAAJAAAABAAAAF8AYAAeAAAAaAAAAAAAAAAAAAAAAAAAAAAAAAAAAAAAECcAABAnAAAAAAAAAAAAAAAAAAAAAAAAAAAAAAAAAAAAAAAAAAAAABQAAAAAAAAAwMD/AAAAAABkAAAAMgAAAAAAAABkAAAAAAAAAH9/fwAKAAAAIgAAABgAAAAAAAAAAAAAAAAAAAAAAAAAAAAAAAAAAAAkAAAAJAAAAAAAAAAHAAAAAAAAAAAAAAAAAAAAAAAAAAAAAAAAAAAAf39/ACUAAABYAAAAAAAAAAAAAAAAAAAAAAAAAAAAAAAAAAAAAAAAAAAAAAAAAAAAAAAAAAAAAAA/AAAAAAAAAKCGAQAAAAAAAAAAAAAAAAAMAAAAAQAAAAAAAAAAAAAAAAAAAB8AAABUAAAAAAAABQAAAAEAAAAAAAAAAAAAAAAAAAAAAAAAAAAAAAAAAAAAAAAAAAAAAAJ/f38AAAAAA8zMzADAwP8Af39/AAAAAAAAAAAAAAAAAAAAAAAAAAAAIQAAABgAAAAUAAAAwAMAANgJAABARwAAsCUAABAAAAAmAAAACAAAAAAAAAAAAAAA"/>
+                <pr:smNativeData xmlns:pr="smNativeData" xmlns="smNativeData" val="SMDATA_15_PhJKaRMAAAAlAAAAZAAAAA0AAAAAkAAAAEgAAACQAAAASAAAAAAAAAAAAAAAAAAAAAEAAABQAAAAAAAAAAAA4D8AAAAAAADgPwAAAAAAAOA/AAAAAAAA4D8AAAAAAADgPwAAAAAAAOA/AAAAAAAA4D8AAAAAAADgPwAAAAAAAOA/AAAAAAAA4D8CAAAAjAAAAAAAAAAAAAAAu+DjDP///wgAAAAAAAAAAAAAAAAAAAAAAAAAAAAAAAAAAAAAZAAAAAEAAABAAAAAAAAAAAAAAAAAAAAAAAAAAAAAAAAAAAAAAAAAAAAAAAAAAAAAAAAAAAAAAAAAAAAAAAAAAAAAAAAAAAAAAAAAAAAAAAAAAAAAAAAAAAAAAAAAAAAAFAAAADwAAAAAAAAAAAAAAAAAAAkUAAAAAQAAABQAAAAUAAAAFAAAAAEAAAAAAAAAZAAAAGQAAAAAAAAAZAAAAGQAAAAVAAAAYAAAAAAAAAAAAAAADwAAACADAAAAAAAAAAAAAAEAAACgMgAAVgcAAKr4//8BAAAAf39/AAEAAABkAAAAAAAAABQAAABAHwAAAAAAACYAAAAAAAAAwOD//wAAAAAmAAAAZAAAABYAAABMAAAAAAAAAAAAAAAEAAAAAAAAAAEAAACAgIAKAAAAACgAAAAoAAAAZAAAAGQAAAAAAAAAzMzMAAAAAABQAAAAUAAAAGQAAABkAAAAAAAAABcAAAAUAAAAAAAAAAAAAAD/fwAA/38AAAAAAAAJAAAABAAAABIAAAAeAAAAaAAAAAAAAAAAAAAAAAAAAAAAAAAAAAAAECcAABAnAAAAAAAAAAAAAAAAAAAAAAAAAAAAAAAAAAAAAAAAAAAAABQAAAAAAAAAwMD/AAAAAABkAAAAMgAAAAAAAABkAAAAAAAAAH9/fwAKAAAAIgAAABgAAAAAAAAAAAAAAAAAAAAAAAAAAAAAAAAAAAAkAAAAJAAAAAAAAAAHAAAAAAAAAAAAAAAAAAAAAAAAAAAAAAAAAAAAf39/ACUAAABYAAAAAAAAAAAAAAAAAAAAAAAAAAAAAAAAAAAAAAAAAAAAAAAAAAAAAAAAAAAAAAA/AAAAAAAAAKCGAQAAAAAAAAAAAAAAAAAMAAAAAQAAAAAAAAAAAAAAAAAAAB8AAABUAAAAAAAABQAAAAEAAAAAAAAAAAAAAAAAAAAAAAAAAAAAAAAAAAAAAAAAAAAAAAJ/f38AAAAAA8zMzADAwP8Af39/AAAAAAAAAAAAAAAAAAAAAAAAAAAAIQAAABgAAAAUAAAAwAMAANgJAABARwAAsCUAABAAAAAmAAAACAAAAAAAAAAAAAAA"/>
               </a:ext>
             </a:extLst>
           </p:cNvSpPr>
@@ -5252,28 +5363,124 @@
           <a:bodyPr/>
           <a:lstStyle/>
           <a:p>
-            <a:pPr/>
-            <a:r>
-              <a:t>DAG (Directed Acyclic Graph) of operations</a:t>
+            <a:pPr>
+              <a:defRPr sz="2400" cap="none"/>
+            </a:pPr>
+            <a:r>
+              <a:t>Deep Learning with PyTorch step-by-step :</a:t>
+            </a:r>
+          </a:p>
+          <a:p>
+            <a:pPr lvl="1">
+              <a:defRPr sz="2000" cap="none"/>
+            </a:pPr>
+            <a:r>
+              <a:t>Daniel Voigt Godoy, 2024 v1.2, PyTorch</a:t>
+            </a:r>
+          </a:p>
+          <a:p>
+            <a:pPr lvl="1">
+              <a:defRPr sz="2000" cap="none"/>
+            </a:pPr>
+            <a:r>
+              <a:t>Have paperback &amp; Kindle version. There is Volume II and III, though, I don’t have.</a:t>
+            </a:r>
+          </a:p>
+          <a:p>
+            <a:pPr lvl="1">
+              <a:defRPr sz="2000" cap="none"/>
+            </a:pPr>
+            <a:r>
+              <a:t>\git\PyTorchStepByStep</a:t>
+            </a:r>
+          </a:p>
+          <a:p>
+            <a:pPr>
+              <a:defRPr sz="2400" cap="none"/>
+            </a:pPr>
+            <a:r>
+              <a:t>Deep Learning with PyTorch:</a:t>
+            </a:r>
+          </a:p>
+          <a:p>
+            <a:pPr lvl="1">
+              <a:defRPr sz="2000" cap="none"/>
+            </a:pPr>
+            <a:r>
+              <a:t>Stevens / Antiga / Viehmann, 2020, PyTorch</a:t>
+            </a:r>
+          </a:p>
+          <a:p>
+            <a:pPr lvl="1">
+              <a:defRPr sz="2000" cap="none"/>
+            </a:pPr>
+            <a:r>
+              <a:t>\git\dlwpt-code</a:t>
+            </a:r>
+          </a:p>
+          <a:p>
+            <a:pPr lvl="1">
+              <a:defRPr sz="2000" cap="none"/>
+            </a:pPr>
+            <a:r>
+              <a:t>Have paperback.</a:t>
+            </a:r>
+          </a:p>
+          <a:p>
+            <a:pPr>
+              <a:defRPr sz="2400" cap="none"/>
+            </a:pPr>
+            <a:r>
+              <a:t>Deep Learning for Dummies 2019:</a:t>
+            </a:r>
+          </a:p>
+          <a:p>
+            <a:pPr lvl="1">
+              <a:defRPr sz="2000" cap="none"/>
+            </a:pPr>
+            <a:r>
+              <a:t>Tensorflow &amp; Keras</a:t>
+            </a:r>
+          </a:p>
+          <a:p>
+            <a:pPr lvl="1">
+              <a:defRPr sz="2000" cap="none"/>
+            </a:pPr>
+            <a:r>
+              <a:t>\git\dl4dummies</a:t>
+            </a:r>
+          </a:p>
+          <a:p>
+            <a:pPr>
+              <a:defRPr sz="2400" cap="none"/>
+            </a:pPr>
+            <a:r>
+              <a:t>Deep Learning with Python 2018:</a:t>
+            </a:r>
+          </a:p>
+          <a:p>
+            <a:pPr lvl="1">
+              <a:defRPr sz="2000" cap="none"/>
+            </a:pPr>
+            <a:r>
+              <a:t>Tensorflow &amp; Keras</a:t>
             </a:r>
           </a:p>
           <a:p>
             <a:pPr lvl="1"/>
             <a:r>
-              <a:t>Allows models to optimized at run-time:</a:t>
-            </a:r>
-          </a:p>
-          <a:p>
-            <a:pPr lvl="2"/>
-            <a:r>
-              <a:t>Can change shape/size and operations after each iteration if needed</a:t>
-            </a:r>
-          </a:p>
-          <a:p>
-            <a:pPr lvl="1"/>
-          </a:p>
-          <a:p>
-            <a:pPr/>
+              <a:rPr sz="2000" cap="none"/>
+              <a:t>\git\deep-learning-with-python-notebooks</a:t>
+            </a:r>
+            <a:endParaRPr sz="2400" cap="none"/>
+          </a:p>
+          <a:p>
+            <a:pPr/>
+            <a:endParaRPr sz="2400" cap="none"/>
+          </a:p>
+          <a:p>
+            <a:pPr/>
+            <a:endParaRPr sz="2400" cap="none"/>
           </a:p>
         </p:txBody>
       </p:sp>
@@ -5316,7 +5523,7 @@
             <a:spLocks noGrp="1" noChangeArrowheads="1"/>
             <a:extLst>
               <a:ext uri="smNativeData">
-                <pr:smNativeData xmlns:pr="smNativeData" xmlns="smNativeData" val="SMDATA_15_D/RJaRMAAAAlAAAAZAAAAA0AAAAAkAAAAEgAAACQAAAASAAAAAAAAAABAAAAAAAAAAEAAABQAAAAAAAAAAAA4D8AAAAAAADgPwAAAAAAAOA/AAAAAAAA4D8AAAAAAADgPwAAAAAAAOA/AAAAAAAA4D8AAAAAAADgPwAAAAAAAOA/AAAAAAAA4D8CAAAAjAAAAAAAAAAAAAAAu+DjDP///wgAAAAAAAAAAAAAAAAAAAAAAAAAAAAAAAAAAAAAZAAAAAEAAABAAAAAAAAAAAAAAAAAAAAAAAAAAAAAAAAAAAAAAAAAAAAAAAAAAAAAAAAAAAAAAAAAAAAAAAAAAAAAAAAAAAAAAAAAAAAAAAAAAAAAAAAAAAAAAAAAAAAAFAAAADwAAAAAAAAAAAAAAAAAAAkUAAAAAQAAABQAAAAUAAAAFAAAAAEAAAAAAAAAZAAAAGQAAAAAAAAAZAAAAGQAAAAVAAAAYAAAAAAAAAAAAAAADwAAACADAAAAAAAAAAAAAAEAAACgMgAAVgcAAKr4//8BAAAAf39/AAEAAABkAAAAAAAAABQAAABAHwAAAAAAACYAAAAAAAAAwOD//wAAAAAmAAAAZAAAABYAAABMAAAAAAAAAAAAAAAEAAAAAAAAAAEAAACAgIAKAAAAACgAAAAoAAAAZAAAAGQAAAAAAAAAzMzMAAAAAABQAAAAUAAAAGQAAABkAAAAAAAAABcAAAAUAAAAAAAAAAAAAAD/fwAA/38AAAAAAAAJAAAABAAAAF8AYAAeAAAAaAAAAAAAAAAAAAAAAAAAAAAAAAAAAAAAECcAABAnAAAAAAAAAAAAAAAAAAAAAAAAAAAAAAAAAAAAAAAAAAAAABQAAAAAAAAAwMD/AAAAAABkAAAAMgAAAAAAAABkAAAAAAAAAH9/fwAKAAAAIgAAABgAAAAAAAAAAAAAAAAAAAAAAAAAAAAAAAAAAAAkAAAAJAAAAAAAAAAHAAAAAAAAAAAAAAAAAAAAAAAAAAAAAAAAAAAAf39/ACUAAABYAAAAAAAAAAAAAAAAAAAAAAAAAAAAAAAAAAAAAAAAAAAAAAAAAAAAAAAAAAAAAAA/AAAAAAAAAKCGAQAAAAAAAAAAAAAAAAAMAAAAAQAAAAAAAAAAAAAAAAAAAB8AAABUAAAAAAAABQAAAAEAAAAAAAAAAAAAAAAAAAAAAAAAAAAAAAAAAAAAAAAAAAAAAAJ/f38AAAAAA8zMzADAwP8Af39/AAAAAAAAAAAAAAAAAAAAAAAAAAAAIQAAABgAAAAUAAAAwAMAALABAABARwAAuAgAABAAAAAmAAAACAAAAAAAAAAAAAAA"/>
+                <pr:smNativeData xmlns:pr="smNativeData" xmlns="smNativeData" val="SMDATA_15_PhJKaRMAAAAlAAAAZAAAAA0AAAAAkAAAAEgAAACQAAAASAAAAAAAAAABAAAAAAAAAAEAAABQAAAAAAAAAAAA4D8AAAAAAADgPwAAAAAAAOA/AAAAAAAA4D8AAAAAAADgPwAAAAAAAOA/AAAAAAAA4D8AAAAAAADgPwAAAAAAAOA/AAAAAAAA4D8CAAAAjAAAAAAAAAAAAAAAu+DjDP///wgAAAAAAAAAAAAAAAAAAAAAAAAAAAAAAAAAAAAAZAAAAAEAAABAAAAAAAAAAAAAAAAAAAAAAAAAAAAAAAAAAAAAAAAAAAAAAAAAAAAAAAAAAAAAAAAAAAAAAAAAAAAAAAAAAAAAAAAAAAAAAAAAAAAAAAAAAAAAAAAAAAAAFAAAADwAAAAAAAAAAAAAAAAAAAkUAAAAAQAAABQAAAAUAAAAFAAAAAEAAAAAAAAAZAAAAGQAAAAAAAAAZAAAAGQAAAAVAAAAYAAAAAAAAAAAAAAADwAAACADAAAAAAAAAAAAAAEAAACgMgAAVgcAAKr4//8BAAAAf39/AAEAAABkAAAAAAAAABQAAABAHwAAAAAAACYAAAAAAAAAwOD//wAAAAAmAAAAZAAAABYAAABMAAAAAAAAAAAAAAAEAAAAAAAAAAEAAACAgIAKAAAAACgAAAAoAAAAZAAAAGQAAAAAAAAAzMzMAAAAAABQAAAAUAAAAGQAAABkAAAAAAAAABcAAAAUAAAAAAAAAAAAAAD/fwAA/38AAAAAAAAJAAAABAAAAAAAAAAeAAAAaAAAAAAAAAAAAAAAAAAAAAAAAAAAAAAAECcAABAnAAAAAAAAAAAAAAAAAAAAAAAAAAAAAAAAAAAAAAAAAAAAABQAAAAAAAAAwMD/AAAAAABkAAAAMgAAAAAAAABkAAAAAAAAAH9/fwAKAAAAIgAAABgAAAAAAAAAAAAAAAAAAAAAAAAAAAAAAAAAAAAkAAAAJAAAAAAAAAAHAAAAAAAAAAAAAAAAAAAAAAAAAAAAAAAAAAAAf39/ACUAAABYAAAAAAAAAAAAAAAAAAAAAAAAAAAAAAAAAAAAAAAAAAAAAAAAAAAAAAAAAAAAAAA/AAAAAAAAAKCGAQAAAAAAAAAAAAAAAAAMAAAAAQAAAAAAAAAAAAAAAAAAAB8AAABUAAAAAAAABQAAAAEAAAAAAAAAAAAAAAAAAAAAAAAAAAAAAAAAAAAAAAAAAAAAAAJ/f38AAAAAA8zMzADAwP8Af39/AAAAAAAAAAAAAAAAAAAAAAAAAAAAIQAAABgAAAAUAAAAwAMAALABAABARwAAuAgAABAAAAAmAAAACAAAAAAAAAAAAAAA"/>
               </a:ext>
             </a:extLst>
           </p:cNvSpPr>
@@ -5331,7 +5538,7 @@
           <a:p>
             <a:pPr/>
             <a:r>
-              <a:t>Inherit from nn.Module to create Neural Net</a:t>
+              <a:t>Dynamic Computation Graph</a:t>
             </a:r>
           </a:p>
         </p:txBody>
@@ -5343,7 +5550,7 @@
             <a:spLocks noGrp="1" noChangeArrowheads="1"/>
             <a:extLst>
               <a:ext uri="smNativeData">
-                <pr:smNativeData xmlns:pr="smNativeData" xmlns="smNativeData" val="SMDATA_15_D/RJaRMAAAAlAAAAZAAAAA0AAAAAkAAAAEgAAACQAAAASAAAAAAAAAAAAAAAAAAAAAEAAABQAAAAAAAAAAAA4D8AAAAAAADgPwAAAAAAAOA/AAAAAAAA4D8AAAAAAADgPwAAAAAAAOA/AAAAAAAA4D8AAAAAAADgPwAAAAAAAOA/AAAAAAAA4D8CAAAAjAAAAAAAAAAAAAAAu+DjDP///wgAAAAAAAAAAAAAAAAAAAAAAAAAAAAAAAAAAAAAZAAAAAEAAABAAAAAAAAAAAAAAAAAAAAAAAAAAAAAAAAAAAAAAAAAAAAAAAAAAAAAAAAAAAAAAAAAAAAAAAAAAAAAAAAAAAAAAAAAAAAAAAAAAAAAAAAAAAAAAAAAAAAAFAAAADwAAAAAAAAAAAAAAAAAAAkUAAAAAQAAABQAAAAUAAAAFAAAAAEAAAAAAAAAZAAAAGQAAAAAAAAAZAAAAGQAAAAVAAAAYAAAAAAAAAAAAAAADwAAACADAAAAAAAAAAAAAAEAAACgMgAAVgcAAKr4//8BAAAAf39/AAEAAABkAAAAAAAAABQAAABAHwAAAAAAACYAAAAAAAAAwOD//wAAAAAmAAAAZAAAABYAAABMAAAAAAAAAAAAAAAEAAAAAAAAAAEAAACAgIAKAAAAACgAAAAoAAAAZAAAAGQAAAAAAAAAzMzMAAAAAABQAAAAUAAAAGQAAABkAAAAAAAAABcAAAAUAAAAAAAAAAAAAAD/fwAA/38AAAAAAAAJAAAABAAAAF8AYAAeAAAAaAAAAAAAAAAAAAAAAAAAAAAAAAAAAAAAECcAABAnAAAAAAAAAAAAAAAAAAAAAAAAAAAAAAAAAAAAAAAAAAAAABQAAAAAAAAAwMD/AAAAAABkAAAAMgAAAAAAAABkAAAAAAAAAH9/fwAKAAAAIgAAABgAAAAAAAAAAAAAAAAAAAAAAAAAAAAAAAAAAAAkAAAAJAAAAAAAAAAHAAAAAAAAAAAAAAAAAAAAAAAAAAAAAAAAAAAAf39/ACUAAABYAAAAAAAAAAAAAAAAAAAAAAAAAAAAAAAAAAAAAAAAAAAAAAAAAAAAAAAAAAAAAAA/AAAAAAAAAKCGAQAAAAAAAAAAAAAAAAAMAAAAAQAAAAAAAAAAAAAAAAAAAB8AAABUAAAAAAAABQAAAAEAAAAAAAAAAAAAAAAAAAAAAAAAAAAAAAAAAAAAAAAAAAAAAAJ/f38AAAAAA8zMzADAwP8Af39/AAAAAAAAAAAAAAAAAAAAAAAAAAAAIQAAABgAAAAUAAAAwAMAANgJAABARwAAsCUAABAAAAAmAAAACAAAAAAAAAAAAAAA"/>
+                <pr:smNativeData xmlns:pr="smNativeData" xmlns="smNativeData" val="SMDATA_15_PhJKaRMAAAAlAAAAZAAAAA0AAAAAkAAAAEgAAACQAAAASAAAAAAAAAAAAAAAAAAAAAEAAABQAAAAAAAAAAAA4D8AAAAAAADgPwAAAAAAAOA/AAAAAAAA4D8AAAAAAADgPwAAAAAAAOA/AAAAAAAA4D8AAAAAAADgPwAAAAAAAOA/AAAAAAAA4D8CAAAAjAAAAAAAAAAAAAAAu+DjDP///wgAAAAAAAAAAAAAAAAAAAAAAAAAAAAAAAAAAAAAZAAAAAEAAABAAAAAAAAAAAAAAAAAAAAAAAAAAAAAAAAAAAAAAAAAAAAAAAAAAAAAAAAAAAAAAAAAAAAAAAAAAAAAAAAAAAAAAAAAAAAAAAAAAAAAAAAAAAAAAAAAAAAAFAAAADwAAAAAAAAAAAAAAAAAAAkUAAAAAQAAABQAAAAUAAAAFAAAAAEAAAAAAAAAZAAAAGQAAAAAAAAAZAAAAGQAAAAVAAAAYAAAAAAAAAAAAAAADwAAACADAAAAAAAAAAAAAAEAAACgMgAAVgcAAKr4//8BAAAAf39/AAEAAABkAAAAAAAAABQAAABAHwAAAAAAACYAAAAAAAAAwOD//wAAAAAmAAAAZAAAABYAAABMAAAAAAAAAAAAAAAEAAAAAAAAAAEAAACAgIAKAAAAACgAAAAoAAAAZAAAAGQAAAAAAAAAzMzMAAAAAABQAAAAUAAAAGQAAABkAAAAAAAAABcAAAAUAAAAAAAAAAAAAAD/fwAA/38AAAAAAAAJAAAABAAAAF8AYAAeAAAAaAAAAAAAAAAAAAAAAAAAAAAAAAAAAAAAECcAABAnAAAAAAAAAAAAAAAAAAAAAAAAAAAAAAAAAAAAAAAAAAAAABQAAAAAAAAAwMD/AAAAAABkAAAAMgAAAAAAAABkAAAAAAAAAH9/fwAKAAAAIgAAABgAAAAAAAAAAAAAAAAAAAAAAAAAAAAAAAAAAAAkAAAAJAAAAAAAAAAHAAAAAAAAAAAAAAAAAAAAAAAAAAAAAAAAAAAAf39/ACUAAABYAAAAAAAAAAAAAAAAAAAAAAAAAAAAAAAAAAAAAAAAAAAAAAAAAAAAAAAAAAAAAAA/AAAAAAAAAKCGAQAAAAAAAAAAAAAAAAAMAAAAAQAAAAAAAAAAAAAAAAAAAB8AAABUAAAAAAAABQAAAAEAAAAAAAAAAAAAAAAAAAAAAAAAAAAAAAAAAAAAAAAAAAAAAAJ/f38AAAAAA8zMzADAwP8Af39/AAAAAAAAAAAAAAAAAAAAAAAAAAAAIQAAABgAAAAUAAAAwAMAANgJAABARwAAsCUAABAAAAAmAAAACAAAAAAAAAAAAAAA"/>
               </a:ext>
             </a:extLst>
           </p:cNvSpPr>
@@ -5358,77 +5565,23 @@
           <a:p>
             <a:pPr/>
             <a:r>
-              <a:t>class MyNet(nn.Module):</a:t>
+              <a:t>DAG (Directed Acyclic Graph) of operations</a:t>
             </a:r>
           </a:p>
           <a:p>
             <a:pPr lvl="1"/>
             <a:r>
-              <a:t>def __init__(self):</a:t>
+              <a:t>Allows models to optimized at run-time:</a:t>
             </a:r>
           </a:p>
           <a:p>
             <a:pPr lvl="2"/>
             <a:r>
-              <a:t># Init the neural network</a:t>
-            </a:r>
-          </a:p>
-          <a:p>
-            <a:pPr lvl="2"/>
-            <a:r>
-              <a:t>super.__init__()</a:t>
-            </a:r>
-          </a:p>
-          <a:p>
-            <a:pPr lvl="2"/>
-            <a:r>
-              <a:t># Flatten data, such as 28x28 image to linear array/tensor.</a:t>
-            </a:r>
-          </a:p>
-          <a:p>
-            <a:pPr lvl="2"/>
-            <a:r>
-              <a:t>self.flatten = nn.Flatten()</a:t>
-            </a:r>
-          </a:p>
-          <a:p>
-            <a:pPr lvl="2"/>
-            <a:r>
-              <a:t># Add layers as needed:</a:t>
-            </a:r>
-          </a:p>
-          <a:p>
-            <a:pPr lvl="2"/>
-            <a:r>
-              <a:t>self.linear_relu_stack = nn.Sequential(</a:t>
-            </a:r>
-          </a:p>
-          <a:p>
-            <a:pPr lvl="3"/>
-            <a:r>
-              <a:t>nn.Linear(28*28, 512),</a:t>
-            </a:r>
-          </a:p>
-          <a:p>
-            <a:pPr lvl="3"/>
-            <a:r>
-              <a:t>nn.ReLU(), # Linear activation function outputs node or zero if not important.</a:t>
-            </a:r>
-          </a:p>
-          <a:p>
-            <a:pPr lvl="3"/>
-            <a:r>
-              <a:t>nn.Linear(512,512),</a:t>
-            </a:r>
-          </a:p>
-          <a:p>
-            <a:pPr lvl="3"/>
-            <a:r>
-              <a:t>nn.Linear(512,10)) # Output the 10 labels the model is trying to predict.</a:t>
-            </a:r>
-          </a:p>
-          <a:p>
-            <a:pPr lvl="2"/>
+              <a:t>Can change shape/size and operations after each iteration if needed</a:t>
+            </a:r>
+          </a:p>
+          <a:p>
+            <a:pPr lvl="1"/>
           </a:p>
           <a:p>
             <a:pPr/>
@@ -5469,12 +5622,12 @@
       </p:grpSpPr>
       <p:sp>
         <p:nvSpPr>
-          <p:cNvPr id="2" name="Title 1"/>
-          <p:cNvSpPr>
-            <a:spLocks noGrp="1" noChangeArrowheads="1"/>
-            <a:extLst>
-              <a:ext uri="smNativeData">
-                <pr:smNativeData xmlns:pr="smNativeData" xmlns="smNativeData" val="SMDATA_15_D/RJaRMAAAAlAAAAZAAAAA0AAAAAkAAAAEgAAACQAAAASAAAAAAAAAABAAAAAAAAAAEAAABQAAAAAAAAAAAA4D8AAAAAAADgPwAAAAAAAOA/AAAAAAAA4D8AAAAAAADgPwAAAAAAAOA/AAAAAAAA4D8AAAAAAADgPwAAAAAAAOA/AAAAAAAA4D8CAAAAjAAAAAAAAAAAAAAAu+DjDP///wgAAAAAAAAAAAAAAAAAAAAAAAAAAAAAAAAAAAAAZAAAAAEAAABAAAAAAAAAAAAAAAAAAAAAAAAAAAAAAAAAAAAAAAAAAAAAAAAAAAAAAAAAAAAAAAAAAAAAAAAAAAAAAAAAAAAAAAAAAAAAAAAAAAAAAAAAAAAAAAAAAAAAFAAAADwAAAAAAAAAAAAAAAAAAAkUAAAAAQAAABQAAAAUAAAAFAAAAAEAAAAAAAAAZAAAAGQAAAAAAAAAZAAAAGQAAAAVAAAAYAAAAAAAAAAAAAAADwAAACADAAAAAAAAAAAAAAEAAACgMgAAVgcAAKr4//8BAAAAf39/AAEAAABkAAAAAAAAABQAAABAHwAAAAAAACYAAAAAAAAAwOD//wAAAAAmAAAAZAAAABYAAABMAAAAAAAAAAAAAAAEAAAAAAAAAAEAAACAgIAKAAAAACgAAAAoAAAAZAAAAGQAAAAAAAAAzMzMAAAAAABQAAAAUAAAAGQAAABkAAAAAAAAABcAAAAUAAAAAAAAAAAAAAD/fwAA/38AAAAAAAAJAAAABAAAAAAAAAAeAAAAaAAAAAAAAAAAAAAAAAAAAAAAAAAAAAAAECcAABAnAAAAAAAAAAAAAAAAAAAAAAAAAAAAAAAAAAAAAAAAAAAAABQAAAAAAAAAwMD/AAAAAABkAAAAMgAAAAAAAABkAAAAAAAAAH9/fwAKAAAAIgAAABgAAAAAAAAAAAAAAAAAAAAAAAAAAAAAAAAAAAAkAAAAJAAAAAAAAAAHAAAAAAAAAAAAAAAAAAAAAAAAAAAAAAAAAAAAf39/ACUAAABYAAAAAAAAAAAAAAAAAAAAAAAAAAAAAAAAAAAAAAAAAAAAAAAAAAAAAAAAAAAAAAA/AAAAAAAAAKCGAQAAAAAAAAAAAAAAAAAMAAAAAQAAAAAAAAAAAAAAAAAAAB8AAABUAAAAAAAABQAAAAEAAAAAAAAAAAAAAAAAAAAAAAAAAAAAAAAAAAAAAAAAAAAAAAJ/f38AAAAAA8zMzADAwP8Af39/AAAAAAAAAAAAAAAAAAAAAAAAAAAAIQAAABgAAAAUAAAAwAMAALABAABARwAAuAgAABAAAAAmAAAACAAAAAAAAAAAAAAA"/>
+          <p:cNvPr id="2" name="SlideTitle1"/>
+          <p:cNvSpPr>
+            <a:spLocks noGrp="1" noChangeArrowheads="1"/>
+            <a:extLst>
+              <a:ext uri="smNativeData">
+                <pr:smNativeData xmlns:pr="smNativeData" xmlns="smNativeData" val="SMDATA_15_PhJKaRMAAAAlAAAAZAAAAA0AAAAAkAAAAEgAAACQAAAASAAAAAAAAAABAAAAAAAAAAEAAABQAAAAAAAAAAAA4D8AAAAAAADgPwAAAAAAAOA/AAAAAAAA4D8AAAAAAADgPwAAAAAAAOA/AAAAAAAA4D8AAAAAAADgPwAAAAAAAOA/AAAAAAAA4D8CAAAAjAAAAAAAAAAAAAAAu+DjDP///wgAAAAAAAAAAAAAAAAAAAAAAAAAAAAAAAAAAAAAZAAAAAEAAABAAAAAAAAAAAAAAAAAAAAAAAAAAAAAAAAAAAAAAAAAAAAAAAAAAAAAAAAAAAAAAAAAAAAAAAAAAAAAAAAAAAAAAAAAAAAAAAAAAAAAAAAAAAAAAAAAAAAAFAAAADwAAAAAAAAAAAAAAAAAAAkUAAAAAQAAABQAAAAUAAAAFAAAAAEAAAAAAAAAZAAAAGQAAAAAAAAAZAAAAGQAAAAVAAAAYAAAAAAAAAAAAAAADwAAACADAAAAAAAAAAAAAAEAAACgMgAAVgcAAKr4//8BAAAAf39/AAEAAABkAAAAAAAAABQAAABAHwAAAAAAACYAAAAAAAAAwOD//wAAAAAmAAAAZAAAABYAAABMAAAAAAAAAAAAAAAEAAAAAAAAAAEAAACAgIAKAAAAACgAAAAoAAAAZAAAAGQAAAAAAAAAzMzMAAAAAABQAAAAUAAAAGQAAABkAAAAAAAAABcAAAAUAAAAAAAAAAAAAAD/fwAA/38AAAAAAAAJAAAABAAAAF8AYAAeAAAAaAAAAAAAAAAAAAAAAAAAAAAAAAAAAAAAECcAABAnAAAAAAAAAAAAAAAAAAAAAAAAAAAAAAAAAAAAAAAAAAAAABQAAAAAAAAAwMD/AAAAAABkAAAAMgAAAAAAAABkAAAAAAAAAH9/fwAKAAAAIgAAABgAAAAAAAAAAAAAAAAAAAAAAAAAAAAAAAAAAAAkAAAAJAAAAAAAAAAHAAAAAAAAAAAAAAAAAAAAAAAAAAAAAAAAAAAAf39/ACUAAABYAAAAAAAAAAAAAAAAAAAAAAAAAAAAAAAAAAAAAAAAAAAAAAAAAAAAAAAAAAAAAAA/AAAAAAAAAKCGAQAAAAAAAAAAAAAAAAAMAAAAAQAAAAAAAAAAAAAAAAAAAB8AAABUAAAAAAAABQAAAAEAAAAAAAAAAAAAAAAAAAAAAAAAAAAAAAAAAAAAAAAAAAAAAAJ/f38AAAAAA8zMzADAwP8Af39/AAAAAAAAAAAAAAAAAAAAAAAAAAAAIQAAABgAAAAUAAAAwAMAALABAABARwAAuAgAABAAAAAmAAAACAAAAAAAAAAAAAAA"/>
               </a:ext>
             </a:extLst>
           </p:cNvSpPr>
@@ -5489,21 +5642,19 @@
           <a:p>
             <a:pPr/>
             <a:r>
-              <a:rPr lang="en-us" cap="none"/>
-              <a:t>TorchVision</a:t>
-            </a:r>
-            <a:endParaRPr lang="en-us" cap="none"/>
-          </a:p>
-        </p:txBody>
-      </p:sp>
-      <p:sp>
-        <p:nvSpPr>
-          <p:cNvPr id="3" name="Content Placeholder 2"/>
-          <p:cNvSpPr>
-            <a:spLocks noGrp="1" noChangeArrowheads="1"/>
-            <a:extLst>
-              <a:ext uri="smNativeData">
-                <pr:smNativeData xmlns:pr="smNativeData" xmlns="smNativeData" val="SMDATA_15_D/RJaRMAAAAlAAAAZAAAAA0AAAAAkAAAAEgAAACQAAAASAAAAAAAAAAAAAAAAAAAAAEAAABQAAAAAAAAAAAA4D8AAAAAAADgPwAAAAAAAOA/AAAAAAAA4D8AAAAAAADgPwAAAAAAAOA/AAAAAAAA4D8AAAAAAADgPwAAAAAAAOA/AAAAAAAA4D8CAAAAjAAAAAAAAAAAAAAAu+DjDP///wgAAAAAAAAAAAAAAAAAAAAAAAAAAAAAAAAAAAAAZAAAAAEAAABAAAAAAAAAAAAAAAAAAAAAAAAAAAAAAAAAAAAAAAAAAAAAAAAAAAAAAAAAAAAAAAAAAAAAAAAAAAAAAAAAAAAAAAAAAAAAAAAAAAAAAAAAAAAAAAAAAAAAFAAAADwAAAAAAAAAAAAAAAAAAAkUAAAAAQAAABQAAAAUAAAAFAAAAAEAAAAAAAAAZAAAAGQAAAAAAAAAZAAAAGQAAAAVAAAAYAAAAAAAAAAAAAAADwAAACADAAAAAAAAAAAAAAEAAACgMgAAVgcAAKr4//8BAAAAf39/AAEAAABkAAAAAAAAABQAAABAHwAAAAAAACYAAAAAAAAAwOD//wAAAAAmAAAAZAAAABYAAABMAAAAAAAAAAAAAAAEAAAAAAAAAAEAAACAgIAKAAAAACgAAAAoAAAAZAAAAGQAAAAAAAAAzMzMAAAAAABQAAAAUAAAAGQAAABkAAAAAAAAABcAAAAUAAAAAAAAAAAAAAD/fwAA/38AAAAAAAAJAAAABAAAAF8AYAAeAAAAaAAAAAAAAAAAAAAAAAAAAAAAAAAAAAAAECcAABAnAAAAAAAAAAAAAAAAAAAAAAAAAAAAAAAAAAAAAAAAAAAAABQAAAAAAAAAwMD/AAAAAABkAAAAMgAAAAAAAABkAAAAAAAAAH9/fwAKAAAAIgAAABgAAAAAAAAAAAAAAAAAAAAAAAAAAAAAAAAAAAAkAAAAJAAAAAAAAAAHAAAAAAAAAAAAAAAAAAAAAAAAAAAAAAAAAAAAf39/ACUAAABYAAAAAAAAAAAAAAAAAAAAAAAAAAAAAAAAAAAAAAAAAAAAAAAAAAAAAAAAAAAAAAA/AAAAAAAAAKCGAQAAAAAAAAAAAAAAAAAMAAAAAQAAAAAAAAAAAAAAAAAAAB8AAABUAAAAAAAABQAAAAEAAAAAAAAAAAAAAAAAAAAAAAAAAAAAAAAAAAAAAAAAAAAAAAJ/f38AAAAAA8zMzADAwP8Af39/AAAAAAAAAAAAAAAAAAAAAAAAAAAAIQAAABgAAAAUAAAAwAMAANgJAABARwAAchIAABAAAAAmAAAACAAAAAEAAAAAAAAA"/>
+              <a:t>Inherit from nn.Module to create Neural Net</a:t>
+            </a:r>
+          </a:p>
+        </p:txBody>
+      </p:sp>
+      <p:sp>
+        <p:nvSpPr>
+          <p:cNvPr id="3" name="SlideText1"/>
+          <p:cNvSpPr>
+            <a:spLocks noGrp="1" noChangeArrowheads="1"/>
+            <a:extLst>
+              <a:ext uri="smNativeData">
+                <pr:smNativeData xmlns:pr="smNativeData" xmlns="smNativeData" val="SMDATA_15_PhJKaRMAAAAlAAAAZAAAAA0AAAAAkAAAAEgAAACQAAAASAAAAAAAAAAAAAAAAAAAAAEAAABQAAAAAAAAAAAA4D8AAAAAAADgPwAAAAAAAOA/AAAAAAAA4D8AAAAAAADgPwAAAAAAAOA/AAAAAAAA4D8AAAAAAADgPwAAAAAAAOA/AAAAAAAA4D8CAAAAjAAAAAAAAAAAAAAAu+DjDP///wgAAAAAAAAAAAAAAAAAAAAAAAAAAAAAAAAAAAAAZAAAAAEAAABAAAAAAAAAAAAAAAAAAAAAAAAAAAAAAAAAAAAAAAAAAAAAAAAAAAAAAAAAAAAAAAAAAAAAAAAAAAAAAAAAAAAAAAAAAAAAAAAAAAAAAAAAAAAAAAAAAAAAFAAAADwAAAAAAAAAAAAAAAAAAAkUAAAAAQAAABQAAAAUAAAAFAAAAAEAAAAAAAAAZAAAAGQAAAAAAAAAZAAAAGQAAAAVAAAAYAAAAAAAAAAAAAAADwAAACADAAAAAAAAAAAAAAEAAACgMgAAVgcAAKr4//8BAAAAf39/AAEAAABkAAAAAAAAABQAAABAHwAAAAAAACYAAAAAAAAAwOD//wAAAAAmAAAAZAAAABYAAABMAAAAAAAAAAAAAAAEAAAAAAAAAAEAAACAgIAKAAAAACgAAAAoAAAAZAAAAGQAAAAAAAAAzMzMAAAAAABQAAAAUAAAAGQAAABkAAAAAAAAABcAAAAUAAAAAAAAAAAAAAD/fwAA/38AAAAAAAAJAAAABAAAAF8AYAAeAAAAaAAAAAAAAAAAAAAAAAAAAAAAAAAAAAAAECcAABAnAAAAAAAAAAAAAAAAAAAAAAAAAAAAAAAAAAAAAAAAAAAAABQAAAAAAAAAwMD/AAAAAABkAAAAMgAAAAAAAABkAAAAAAAAAH9/fwAKAAAAIgAAABgAAAAAAAAAAAAAAAAAAAAAAAAAAAAAAAAAAAAkAAAAJAAAAAAAAAAHAAAAAAAAAAAAAAAAAAAAAAAAAAAAAAAAAAAAf39/ACUAAABYAAAAAAAAAAAAAAAAAAAAAAAAAAAAAAAAAAAAAAAAAAAAAAAAAAAAAAAAAAAAAAA/AAAAAAAAAKCGAQAAAAAAAAAAAAAAAAAMAAAAAQAAAAAAAAAAAAAAAAAAAB8AAABUAAAAAAAABQAAAAEAAAAAAAAAAAAAAAAAAAAAAAAAAAAAAAAAAAAAAAAAAAAAAAJ/f38AAAAAA8zMzADAwP8Af39/AAAAAAAAAAAAAAAAAAAAAAAAAAAAIQAAABgAAAAUAAAAwAMAANgJAABARwAAsCUAABAAAAAmAAAACAAAAAAAAAAAAAAA"/>
               </a:ext>
             </a:extLst>
           </p:cNvSpPr>
@@ -5511,215 +5662,87 @@
             <p:ph type="body" idx="1"/>
           </p:nvPr>
         </p:nvSpPr>
-        <p:spPr>
-          <a:xfrm>
-            <a:off x="609600" y="1600200"/>
-            <a:ext cx="10972800" cy="1398270"/>
-          </a:xfrm>
-        </p:spPr>
-        <p:txBody>
-          <a:bodyPr/>
-          <a:lstStyle/>
-          <a:p>
-            <a:pPr/>
-            <a:r>
-              <a:rPr lang="en-us" cap="none"/>
-              <a:t>Transforms / datasets / models for computer vision</a:t>
-            </a:r>
-            <a:endParaRPr lang="en-us" cap="none"/>
-          </a:p>
-          <a:p>
-            <a:pPr/>
-            <a:r>
-              <a:rPr lang="en-us" cap="none"/>
-              <a:t>Models such as:</a:t>
-            </a:r>
-            <a:endParaRPr lang="en-us" cap="none"/>
+        <p:spPr/>
+        <p:txBody>
+          <a:bodyPr/>
+          <a:lstStyle/>
+          <a:p>
+            <a:pPr/>
+            <a:r>
+              <a:t>class MyNet(nn.Module):</a:t>
+            </a:r>
           </a:p>
           <a:p>
             <a:pPr lvl="1"/>
             <a:r>
-              <a:rPr lang="en-us" cap="none"/>
-              <a:t>resnet18: convolutional NN that is 18 layers deep</a:t>
-            </a:r>
-            <a:endParaRPr lang="en-us" cap="none"/>
-          </a:p>
-          <a:p>
-            <a:pPr lvl="1"/>
-            <a:r>
-              <a:rPr lang="en-us" cap="none"/>
-              <a:t>resnet50, resnet101, etc.</a:t>
-            </a:r>
-            <a:endParaRPr lang="en-us" cap="none"/>
-          </a:p>
-          <a:p>
-            <a:pPr lvl="1"/>
-            <a:r>
-              <a:rPr lang="en-us" cap="none"/>
-              <a:t>EfficientNet?</a:t>
-            </a:r>
-            <a:endParaRPr lang="en-us" cap="none"/>
-          </a:p>
-          <a:p>
-            <a:pPr lvl="1"/>
-            <a:r>
-              <a:rPr lang="en-us" cap="none"/>
-              <a:t>Swin Transformers?</a:t>
-            </a:r>
-            <a:endParaRPr lang="en-us" cap="none"/>
-          </a:p>
-          <a:p>
-            <a:pPr lvl="1"/>
-            <a:endParaRPr lang="en-us" cap="none"/>
-          </a:p>
-          <a:p>
-            <a:pPr marL="0" indent="0">
-              <a:buNone/>
-            </a:pPr>
-            <a:endParaRPr lang="en-us" cap="none"/>
-          </a:p>
-          <a:p>
-            <a:pPr marL="0" indent="0">
-              <a:buNone/>
-            </a:pPr>
-            <a:endParaRPr lang="en-us" cap="none"/>
-          </a:p>
-        </p:txBody>
-      </p:sp>
-      <p:sp>
-        <p:nvSpPr>
-          <p:cNvPr id="4" name="Date Placeholder 3"/>
-          <p:cNvSpPr>
-            <a:spLocks noGrp="1" noChangeArrowheads="1"/>
-            <a:extLst>
-              <a:ext uri="smNativeData">
-                <pr:smNativeData xmlns:pr="smNativeData" xmlns="smNativeData" val="SMDATA_15_D/RJaRMAAAAlAAAAZAAAAA0AAAAAkAAAAEgAAACQAAAASAAAAAAAAAABAAAAAAAAAAEAAABQAAAAAAAAAAAA4D8AAAAAAADgPwAAAAAAAOA/AAAAAAAA4D8AAAAAAADgPwAAAAAAAOA/AAAAAAAA4D8AAAAAAADgPwAAAAAAAOA/AAAAAAAA4D8CAAAAjAAAAAAAAAAAAAAAu+DjDP///wgAAAAAAAAAAAAAAAAAAAAAAAAAAAAAAAAAAAAAZAAAAAEAAABAAAAAAAAAAAAAAAAAAAAAAAAAAAAAAAAAAAAAAAAAAAAAAAAAAAAAAAAAAAAAAAAAAAAAAAAAAAAAAAAAAAAAAAAAAAAAAAAAAAAAAAAAAAAAAAAAAAAAFAAAADwAAAAAAAAAAAAAAAAAAAkUAAAAAQAAABQAAAAUAAAAFAAAAAEAAAAAAAAAZAAAAGQAAAAAAAAAZAAAAGQAAAAVAAAAYAAAAAAAAAAAAAAADwAAACADAAAAAAAAAAAAAAEAAACgMgAAVgcAAKr4//8BAAAAf39/AAEAAABkAAAAAAAAABQAAABAHwAAAAAAACYAAAAAAAAAwOD//wAAAAAmAAAAZAAAABYAAABMAAAAAAAAAAAAAAAEAAAAAAAAAAEAAACAgIAKAAAAACgAAAAoAAAAZAAAAGQAAAAAAAAAzMzMAAAAAABQAAAAUAAAAGQAAABkAAAAAAAAABcAAAAUAAAAAAAAAAAAAAD/fwAA/38AAAAAAAAJAAAABAAAAAAAAAAeAAAAaAAAAAAAAAAAAAAAAAAAAAAAAAAAAAAAECcAABAnAAAAAAAAAAAAAAAAAAAAAAAAAAAAAAAAAAAAAAAAAAAAABQAAAAAAAAAwMD/AAAAAABkAAAAMgAAAAAAAABkAAAAAAAAAH9/fwAKAAAAIgAAABgAAAAAAAAAAAAAAAAAAAAAAAAAAAAAAAAAAAAkAAAAJAAAAAAAAAAHAAAAAAAAAAAAAAAAAAAAAAAAAAAAAAAAAAAAf39/ACUAAABYAAAAAAAAAAAAAAAAAAAAAAAAAAAAAAAAAAAAAAAAAAAAAAAAAAAAAAAAAAAAAAA/AAAAAAAAAKCGAQAAAAAAAAAAAAAAAAAMAAAAAQAAAAAAAAAAAAAAAAAAAB8AAABUAAAAAAAABQAAAAEAAAAAAAAAAAAAAAAAAAAAAAAAAAAAAAAAAAAAAAAAAAAAAAJ/f38AAAAAA8zMzADAwP8Af39/AAAAAAAAAAAAAAAAAAAAAAAAAAAAIQAAABgAAAAUAAAAwAMAABsnAAA/FQAAWSkAABAAAAAmAAAACAAAAAAAAAAAAAAA"/>
-              </a:ext>
-            </a:extLst>
-          </p:cNvSpPr>
-          <p:nvPr>
-            <p:ph type="dt" sz="quarter" idx="10"/>
-          </p:nvPr>
-        </p:nvSpPr>
-        <p:spPr/>
-        <p:txBody>
-          <a:bodyPr/>
-          <a:lstStyle/>
-          <a:p>
-            <a:pPr/>
-            <a:fld id="{0C3DC00B-45E1-6836-AF85-B3638ECB59E6}" type="datetime1">
-              <a:rPr lang="en-us" cap="none"/>
-              <a:t>12/22/2025</a:t>
-            </a:fld>
-            <a:endParaRPr lang="en-us" cap="none"/>
-          </a:p>
-        </p:txBody>
-      </p:sp>
-      <p:sp>
-        <p:nvSpPr>
-          <p:cNvPr id="5" name="Slide Number Placeholder 4"/>
-          <p:cNvSpPr>
-            <a:spLocks noGrp="1" noChangeArrowheads="1"/>
-            <a:extLst>
-              <a:ext uri="smNativeData">
-                <pr:smNativeData xmlns:pr="smNativeData" xmlns="smNativeData" val="SMDATA_15_D/RJaRMAAAAlAAAAZAAAAA0AAAAAkAAAAEgAAACQAAAASAAAAAAAAAABAAAAAAAAAAEAAABQAAAAAAAAAAAA4D8AAAAAAADgPwAAAAAAAOA/AAAAAAAA4D8AAAAAAADgPwAAAAAAAOA/AAAAAAAA4D8AAAAAAADgPwAAAAAAAOA/AAAAAAAA4D8CAAAAjAAAAAAAAAAAAAAAu+DjDP///wgAAAAAAAAAAAAAAAAAAAAAAAAAAAAAAAAAAAAAZAAAAAEAAABAAAAAAAAAAAAAAAAAAAAAAAAAAAAAAAAAAAAAAAAAAAAAAAAAAAAAAAAAAAAAAAAAAAAAAAAAAAAAAAAAAAAAAAAAAAAAAAAAAAAAAAAAAAAAAAAAAAAAFAAAADwAAAAAAAAAAAAAAAAAAAkUAAAAAQAAABQAAAAUAAAAFAAAAAEAAAAAAAAAZAAAAGQAAAAAAAAAZAAAAGQAAAAVAAAAYAAAAAAAAAAAAAAADwAAACADAAAAAAAAAAAAAAEAAACgMgAAVgcAAKr4//8BAAAAf39/AAEAAABkAAAAAAAAABQAAABAHwAAAAAAACYAAAAAAAAAwOD//wAAAAAmAAAAZAAAABYAAABMAAAAAAAAAAAAAAAEAAAAAAAAAAEAAACAgIAKAAAAACgAAAAoAAAAZAAAAGQAAAAAAAAAzMzMAAAAAABQAAAAUAAAAGQAAABkAAAAAAAAABcAAAAUAAAAAAAAAAAAAAD/fwAA/38AAAAAAAAJAAAABAAAAPcgBUUeAAAAaAAAAAAAAAAAAAAAAAAAAAAAAAAAAAAAECcAABAnAAAAAAAAAAAAAAAAAAAAAAAAAAAAAAAAAAAAAAAAAAAAABQAAAAAAAAAwMD/AAAAAABkAAAAMgAAAAAAAABkAAAAAAAAAH9/fwAKAAAAIgAAABgAAAAAAAAAAAAAAAAAAAAAAAAAAAAAAAAAAAAkAAAAJAAAAAAAAAAHAAAAAAAAAAAAAAAAAAAAAAAAAAAAAAAAAAAAf39/ACUAAABYAAAAAAAAAAAAAAAAAAAAAAAAAAAAAAAAAAAAAAAAAAAAAAAAAAAAAAAAAAAAAAA/AAAAAAAAAKCGAQAAAAAAAAAAAAAAAAAMAAAAAQAAAAAAAAAAAAAAAAAAAB8AAABUAAAAAAAABQAAAAEAAAAAAAAAAAAAAAAAAAAAAAAAAAAAAAAAAAAAAAAAAAAAAAJ/f38AAAAAA8zMzADAwP8Af39/AAAAAAAAAAAAAAAAAAAAAAAAAAAAIQAAABgAAAAUAAAAwTUAABsnAABARwAAWSkAABAAAAAmAAAACAAAAAAAAAAAAAAA"/>
-              </a:ext>
-            </a:extLst>
-          </p:cNvSpPr>
-          <p:nvPr>
-            <p:ph type="sldNum" sz="quarter" idx="12"/>
-          </p:nvPr>
-        </p:nvSpPr>
-        <p:spPr/>
-        <p:txBody>
-          <a:bodyPr/>
-          <a:lstStyle/>
-          <a:p>
-            <a:pPr/>
-            <a:fld id="{0C3D9597-D9E1-6863-AF85-2F36DBCB597A}" type="slidenum">
-              <a:rPr lang="en-us" cap="none"/>
-              <a:t>8</a:t>
-            </a:fld>
-            <a:endParaRPr lang="en-us" cap="none"/>
-          </a:p>
-        </p:txBody>
-      </p:sp>
-      <p:sp>
-        <p:nvSpPr>
-          <p:cNvPr id="6" name="TextBox 5"/>
-          <p:cNvSpPr>
-            <a:extLst>
-              <a:ext uri="smNativeData">
-                <pr:smNativeData xmlns:pr="smNativeData" xmlns="smNativeData" val="SMDATA_15_D/RJaRMAAAAlAAAAZAAAAE0AAAAAkAAAAEgAAACQAAAASAAAAAAAAAAAAAAAAAAAAAEAAABQAAAAAAAAAAAA4D8AAAAAAADgPwAAAAAAAOA/AAAAAAAA4D8AAAAAAADgPwAAAAAAAOA/AAAAAAAA4D8AAAAAAADgPwAAAAAAAOA/AAAAAAAA4D8CAAAAjAAAAAAAAAAAAAAAu+DjDP///wgAAAAAAAAAAAAAAAAAAAAAAAAAAAAAAAAAAAAAZAAAAAEAAABAAAAAAAAAAAAAAAAAAAAAAAAAAAAAAAAAAAAAAAAAAAAAAAAAAAAAAAAAAAAAAAAAAAAAAAAAAAAAAAAAAAAAAAAAAAAAAAAAAAAAAAAAAAAAAAAAAAAAFAAAADwAAAAAAAAAAAAAAAAAAAAPAAAAAQAAACMAAAAjAAAAIwAAAB4AAAAAAAAAZAAAAGQAAAAAAAAAZAAAAGQAAAAVAAAAYAAAAAAAAAAAAAAADwAAACADAAAAAAAAAAAAAAEAAACgMgAAVgcAAKr4//8BAAAAf39/AAEAAABkAAAAAAAAABQAAABAHwAAAAAAACYAAAAAAAAAwOD//wAAAAAmAAAAZAAAABYAAABMAAAAAAAAAAAAAAAEAAAAAAAAAAEAAACAgIAKAAAAACgAAAAoAAAAZAAAAGQAAAAAAAAAzMzMAAAAAABQAAAAUAAAAGQAAABkAAAAAAAAABcAAAAUAAAAAAAAAAAAAAD/fwAA/38AAAAAAAAJAAAABAAAAF8AYAAeAAAAaAAAAAAAAAAAAAAAAAAAAAAAAAAAAAAAECcAABAnAAAAAAAAAAAAAAAAAAAAAAAAAAAAAAAAAAAAAAAAAAAAABQAAAAAAAAAwMD/AAAAAABkAAAAMgAAAAAAAABkAAAAAAAAAH9/fwAKAAAAIgAAABgAAAAAAAAAAAAAAAAAAAAAAAAAAAAAAAAAAAAkAAAAJAAAAAAAAAAHAAAAAAAAAAAAAAAAAAAAAAAAAAAAAAAAAAAAf39/ACUAAABYAAAAAAAAAAAAAAAAAAAAAAAAAAAAAAAAAAAAAAAAAAAAAAAAAAAAAAAAAAAAAAA/AAAAAAAAAKCGAQAAAAAAAAAAAAAAAAAMAAAAAQAAAAAAAAAAAAAAAAAAAB8AAABUAAAAu+DjBf///wEAAAAAAAAAAAAAAAAAAAAAAAAAAAAAAAAAAAAAAAAAAAAAAAB/f38AgICAA8zMzADAwP8Af39/AAAAAAAAAAAAAAAAAAAAAAAAAAAAIQAAABgAAAAUAAAA1gQAAEYbAABwJAAAESYAABAgAAAmAAAACAAAAP//////////"/>
-              </a:ext>
-            </a:extLst>
-          </p:cNvSpPr>
-          <p:nvPr/>
-        </p:nvSpPr>
-        <p:spPr>
-          <a:xfrm>
-            <a:off x="786130" y="4433570"/>
-            <a:ext cx="5137150" cy="1754505"/>
-          </a:xfrm>
-          <a:prstGeom prst="rect">
-            <a:avLst/>
-          </a:prstGeom>
-          <a:noFill/>
-          <a:ln>
-            <a:noFill/>
-          </a:ln>
-          <a:effectLst/>
-        </p:spPr>
-        <p:txBody>
-          <a:bodyPr vert="horz" wrap="none" lIns="91440" tIns="45720" rIns="91440" bIns="45720" numCol="1" spcCol="215900" anchor="t"/>
-          <a:lstStyle/>
-          <a:p>
-            <a:pPr/>
-            <a:r>
-              <a:rPr lang="en-us" cap="none"/>
-              <a:t>transform = transforms.Compose([</a:t>
-            </a:r>
-            <a:endParaRPr lang="en-us" cap="none"/>
-          </a:p>
-          <a:p>
-            <a:pPr/>
-            <a:r>
-              <a:rPr lang="en-us" cap="none"/>
-              <a:t>    transforms.Resize((img_size, img_size)),</a:t>
-            </a:r>
-            <a:endParaRPr lang="en-us" cap="none"/>
-          </a:p>
-          <a:p>
-            <a:pPr/>
-            <a:r>
-              <a:rPr lang="en-us" cap="none"/>
-              <a:t>    transforms.ToTensor(),</a:t>
-            </a:r>
-            <a:endParaRPr lang="en-us" cap="none"/>
-          </a:p>
-          <a:p>
-            <a:pPr/>
-            <a:r>
-              <a:rPr lang="en-us" cap="none"/>
-              <a:t>    transforms.Normalize(mean=[0.485, 0.456, 0.406],</a:t>
-            </a:r>
-            <a:endParaRPr lang="en-us" cap="none"/>
-          </a:p>
-          <a:p>
-            <a:pPr/>
-            <a:r>
-              <a:rPr lang="en-us" cap="none"/>
-              <a:t>                         std=[0.229, 0.224, 0.225]),</a:t>
-            </a:r>
-            <a:endParaRPr lang="en-us" cap="none"/>
-          </a:p>
-          <a:p>
-            <a:pPr/>
-            <a:r>
-              <a:rPr lang="en-us" cap="none"/>
-              <a:t>])</a:t>
-            </a:r>
-            <a:endParaRPr lang="en-us" cap="none"/>
+              <a:t>def __init__(self):</a:t>
+            </a:r>
+          </a:p>
+          <a:p>
+            <a:pPr lvl="2"/>
+            <a:r>
+              <a:t># Init the neural network</a:t>
+            </a:r>
+          </a:p>
+          <a:p>
+            <a:pPr lvl="2"/>
+            <a:r>
+              <a:t>super.__init__()</a:t>
+            </a:r>
+          </a:p>
+          <a:p>
+            <a:pPr lvl="2"/>
+            <a:r>
+              <a:t># Flatten data, such as 28x28 image to linear array/tensor.</a:t>
+            </a:r>
+          </a:p>
+          <a:p>
+            <a:pPr lvl="2"/>
+            <a:r>
+              <a:t>self.flatten = nn.Flatten()</a:t>
+            </a:r>
+          </a:p>
+          <a:p>
+            <a:pPr lvl="2"/>
+            <a:r>
+              <a:t># Add layers as needed:</a:t>
+            </a:r>
+          </a:p>
+          <a:p>
+            <a:pPr lvl="2"/>
+            <a:r>
+              <a:t>self.linear_relu_stack = nn.Sequential(</a:t>
+            </a:r>
+          </a:p>
+          <a:p>
+            <a:pPr lvl="3"/>
+            <a:r>
+              <a:t>nn.Linear(28*28, 512),</a:t>
+            </a:r>
+          </a:p>
+          <a:p>
+            <a:pPr lvl="3"/>
+            <a:r>
+              <a:t>nn.ReLU(), # Linear activation function outputs node or zero if not important.</a:t>
+            </a:r>
+          </a:p>
+          <a:p>
+            <a:pPr lvl="3"/>
+            <a:r>
+              <a:t>nn.Linear(512,512),</a:t>
+            </a:r>
+          </a:p>
+          <a:p>
+            <a:pPr lvl="3"/>
+            <a:r>
+              <a:t>nn.Linear(512,10)) # Output the 10 labels the model is trying to predict.</a:t>
+            </a:r>
+          </a:p>
+          <a:p>
+            <a:pPr lvl="2"/>
+          </a:p>
+          <a:p>
+            <a:pPr/>
           </a:p>
         </p:txBody>
       </p:sp>
@@ -5762,7 +5785,7 @@
             <a:spLocks noGrp="1" noChangeArrowheads="1"/>
             <a:extLst>
               <a:ext uri="smNativeData">
-                <pr:smNativeData xmlns:pr="smNativeData" xmlns="smNativeData" val="SMDATA_15_D/RJaRMAAAAlAAAAZAAAAA0AAAAAkAAAAEgAAACQAAAASAAAAAAAAAABAAAAAAAAAAEAAABQAAAAAAAAAAAA4D8AAAAAAADgPwAAAAAAAOA/AAAAAAAA4D8AAAAAAADgPwAAAAAAAOA/AAAAAAAA4D8AAAAAAADgPwAAAAAAAOA/AAAAAAAA4D8CAAAAjAAAAAAAAAAAAAAAu+DjDP///wgAAAAAAAAAAAAAAAAAAAAAAAAAAAAAAAAAAAAAZAAAAAEAAABAAAAAAAAAAAAAAAAAAAAAAAAAAAAAAAAAAAAAAAAAAAAAAAAAAAAAAAAAAAAAAAAAAAAAAAAAAAAAAAAAAAAAAAAAAAAAAAAAAAAAAAAAAAAAAAAAAAAAFAAAADwAAAAAAAAAAAAAAAAAAAkUAAAAAQAAABQAAAAUAAAAFAAAAAEAAAAAAAAAZAAAAGQAAAAAAAAAZAAAAGQAAAAVAAAAYAAAAAAAAAAAAAAADwAAACADAAAAAAAAAAAAAAEAAACgMgAAVgcAAKr4//8BAAAAf39/AAEAAABkAAAAAAAAABQAAABAHwAAAAAAACYAAAAAAAAAwOD//wAAAAAmAAAAZAAAABYAAABMAAAAAAAAAAAAAAAEAAAAAAAAAAEAAACAgIAKAAAAACgAAAAoAAAAZAAAAGQAAAAAAAAAzMzMAAAAAABQAAAAUAAAAGQAAABkAAAAAAAAABcAAAAUAAAAAAAAAAAAAAD/fwAA/38AAAAAAAAJAAAABAAAAF8AYAAeAAAAaAAAAAAAAAAAAAAAAAAAAAAAAAAAAAAAECcAABAnAAAAAAAAAAAAAAAAAAAAAAAAAAAAAAAAAAAAAAAAAAAAABQAAAAAAAAAwMD/AAAAAABkAAAAMgAAAAAAAABkAAAAAAAAAH9/fwAKAAAAIgAAABgAAAAAAAAAAAAAAAAAAAAAAAAAAAAAAAAAAAAkAAAAJAAAAAAAAAAHAAAAAAAAAAAAAAAAAAAAAAAAAAAAAAAAAAAAf39/ACUAAABYAAAAAAAAAAAAAAAAAAAAAAAAAAAAAAAAAAAAAAAAAAAAAAAAAAAAAAAAAAAAAAA/AAAAAAAAAKCGAQAAAAAAAAAAAAAAAAAMAAAAAQAAAAAAAAAAAAAAAAAAAB8AAABUAAAAAAAABQAAAAEAAAAAAAAAAAAAAAAAAAAAAAAAAAAAAAAAAAAAAAAAAAAAAAJ/f38AAAAAA8zMzADAwP8Af39/AAAAAAAAAAAAAAAAAAAAAAAAAAAAIQAAABgAAAAUAAAAwAMAALABAABARwAAuAgAABAAAAAmAAAACAAAAAAAAAAAAAAA"/>
+                <pr:smNativeData xmlns:pr="smNativeData" xmlns="smNativeData" val="SMDATA_15_PhJKaRMAAAAlAAAAZAAAAA0AAAAAkAAAAEgAAACQAAAASAAAAAAAAAABAAAAAAAAAAEAAABQAAAAAAAAAAAA4D8AAAAAAADgPwAAAAAAAOA/AAAAAAAA4D8AAAAAAADgPwAAAAAAAOA/AAAAAAAA4D8AAAAAAADgPwAAAAAAAOA/AAAAAAAA4D8CAAAAjAAAAAAAAAAAAAAAu+DjDP///wgAAAAAAAAAAAAAAAAAAAAAAAAAAAAAAAAAAAAAZAAAAAEAAABAAAAAAAAAAAAAAAAAAAAAAAAAAAAAAAAAAAAAAAAAAAAAAAAAAAAAAAAAAAAAAAAAAAAAAAAAAAAAAAAAAAAAAAAAAAAAAAAAAAAAAAAAAAAAAAAAAAAAFAAAADwAAAAAAAAAAAAAAAAAAAkUAAAAAQAAABQAAAAUAAAAFAAAAAEAAAAAAAAAZAAAAGQAAAAAAAAAZAAAAGQAAAAVAAAAYAAAAAAAAAAAAAAADwAAACADAAAAAAAAAAAAAAEAAACgMgAAVgcAAKr4//8BAAAAf39/AAEAAABkAAAAAAAAABQAAABAHwAAAAAAACYAAAAAAAAAwOD//wAAAAAmAAAAZAAAABYAAABMAAAAAAAAAAAAAAAEAAAAAAAAAAEAAACAgIAKAAAAACgAAAAoAAAAZAAAAGQAAAAAAAAAzMzMAAAAAABQAAAAUAAAAGQAAABkAAAAAAAAABcAAAAUAAAAAAAAAAAAAAD/fwAA/38AAAAAAAAJAAAABAAAAAAAAAAeAAAAaAAAAAAAAAAAAAAAAAAAAAAAAAAAAAAAECcAABAnAAAAAAAAAAAAAAAAAAAAAAAAAAAAAAAAAAAAAAAAAAAAABQAAAAAAAAAwMD/AAAAAABkAAAAMgAAAAAAAABkAAAAAAAAAH9/fwAKAAAAIgAAABgAAAAAAAAAAAAAAAAAAAAAAAAAAAAAAAAAAAAkAAAAJAAAAAAAAAAHAAAAAAAAAAAAAAAAAAAAAAAAAAAAAAAAAAAAf39/ACUAAABYAAAAAAAAAAAAAAAAAAAAAAAAAAAAAAAAAAAAAAAAAAAAAAAAAAAAAAAAAAAAAAA/AAAAAAAAAKCGAQAAAAAAAAAAAAAAAAAMAAAAAQAAAAAAAAAAAAAAAAAAAB8AAABUAAAAAAAABQAAAAEAAAAAAAAAAAAAAAAAAAAAAAAAAAAAAAAAAAAAAAAAAAAAAAJ/f38AAAAAA8zMzADAwP8Af39/AAAAAAAAAAAAAAAAAAAAAAAAAAAAIQAAABgAAAAUAAAAwAMAALABAABARwAAuAgAABAAAAAmAAAACAAAAAAAAAAAAAAA"/>
               </a:ext>
             </a:extLst>
           </p:cNvSpPr>
@@ -5778,7 +5801,7 @@
             <a:pPr/>
             <a:r>
               <a:rPr lang="en-us" cap="none"/>
-              <a:t>TorchAudio</a:t>
+              <a:t>TorchVision</a:t>
             </a:r>
             <a:endParaRPr lang="en-us" cap="none"/>
           </a:p>
@@ -5791,7 +5814,7 @@
             <a:spLocks noGrp="1" noChangeArrowheads="1"/>
             <a:extLst>
               <a:ext uri="smNativeData">
-                <pr:smNativeData xmlns:pr="smNativeData" xmlns="smNativeData" val="SMDATA_15_D/RJaRMAAAAlAAAAZAAAAA0AAAAAkAAAAEgAAACQAAAASAAAAAAAAAAAAAAAAAAAAAEAAABQAAAAAAAAAAAA4D8AAAAAAADgPwAAAAAAAOA/AAAAAAAA4D8AAAAAAADgPwAAAAAAAOA/AAAAAAAA4D8AAAAAAADgPwAAAAAAAOA/AAAAAAAA4D8CAAAAjAAAAAAAAAAAAAAAu+DjDP///wgAAAAAAAAAAAAAAAAAAAAAAAAAAAAAAAAAAAAAZAAAAAEAAABAAAAAAAAAAAAAAAAAAAAAAAAAAAAAAAAAAAAAAAAAAAAAAAAAAAAAAAAAAAAAAAAAAAAAAAAAAAAAAAAAAAAAAAAAAAAAAAAAAAAAAAAAAAAAAAAAAAAAFAAAADwAAAAAAAAAAAAAAAAAAAkUAAAAAQAAABQAAAAUAAAAFAAAAAEAAAAAAAAAZAAAAGQAAAAAAAAAZAAAAGQAAAAVAAAAYAAAAAAAAAAAAAAADwAAACADAAAAAAAAAAAAAAEAAACgMgAAVgcAAKr4//8BAAAAf39/AAEAAABkAAAAAAAAABQAAABAHwAAAAAAACYAAAAAAAAAwOD//wAAAAAmAAAAZAAAABYAAABMAAAAAAAAAAAAAAAEAAAAAAAAAAEAAACAgIAKAAAAACgAAAAoAAAAZAAAAGQAAAAAAAAAzMzMAAAAAABQAAAAUAAAAGQAAABkAAAAAAAAABcAAAAUAAAAAAAAAAAAAAD/fwAA/38AAAAAAAAJAAAABAAAAF8AYAAeAAAAaAAAAAAAAAAAAAAAAAAAAAAAAAAAAAAAECcAABAnAAAAAAAAAAAAAAAAAAAAAAAAAAAAAAAAAAAAAAAAAAAAABQAAAAAAAAAwMD/AAAAAABkAAAAMgAAAAAAAABkAAAAAAAAAH9/fwAKAAAAIgAAABgAAAAAAAAAAAAAAAAAAAAAAAAAAAAAAAAAAAAkAAAAJAAAAAAAAAAHAAAAAAAAAAAAAAAAAAAAAAAAAAAAAAAAAAAAf39/ACUAAABYAAAAAAAAAAAAAAAAAAAAAAAAAAAAAAAAAAAAAAAAAAAAAAAAAAAAAAAAAAAAAAA/AAAAAAAAAKCGAQAAAAAAAAAAAAAAAAAMAAAAAQAAAAAAAAAAAAAAAAAAAB8AAABUAAAAAAAABQAAAAEAAAAAAAAAAAAAAAAAAAAAAAAAAAAAAAAAAAAAAAAAAAAAAAJ/f38AAAAAA8zMzADAwP8Af39/AAAAAAAAAAAAAAAAAAAAAAAAAAAAIQAAABgAAAAUAAAAwAMAANgJAABARwAAsCUAABAAAAAmAAAACAAAAAAAAAAAAAAA"/>
+                <pr:smNativeData xmlns:pr="smNativeData" xmlns="smNativeData" val="SMDATA_15_PhJKaRMAAAAlAAAAZAAAAA0AAAAAkAAAAEgAAACQAAAASAAAAAAAAAAAAAAAAAAAAAEAAABQAAAAAAAAAAAA4D8AAAAAAADgPwAAAAAAAOA/AAAAAAAA4D8AAAAAAADgPwAAAAAAAOA/AAAAAAAA4D8AAAAAAADgPwAAAAAAAOA/AAAAAAAA4D8CAAAAjAAAAAAAAAAAAAAAu+DjDP///wgAAAAAAAAAAAAAAAAAAAAAAAAAAAAAAAAAAAAAZAAAAAEAAABAAAAAAAAAAAAAAAAAAAAAAAAAAAAAAAAAAAAAAAAAAAAAAAAAAAAAAAAAAAAAAAAAAAAAAAAAAAAAAAAAAAAAAAAAAAAAAAAAAAAAAAAAAAAAAAAAAAAAFAAAADwAAAAAAAAAAAAAAAAAAAkUAAAAAQAAABQAAAAUAAAAFAAAAAEAAAAAAAAAZAAAAGQAAAAAAAAAZAAAAGQAAAAVAAAAYAAAAAAAAAAAAAAADwAAACADAAAAAAAAAAAAAAEAAACgMgAAVgcAAKr4//8BAAAAf39/AAEAAABkAAAAAAAAABQAAABAHwAAAAAAACYAAAAAAAAAwOD//wAAAAAmAAAAZAAAABYAAABMAAAAAAAAAAAAAAAEAAAAAAAAAAEAAACAgIAKAAAAACgAAAAoAAAAZAAAAGQAAAAAAAAAzMzMAAAAAABQAAAAUAAAAGQAAABkAAAAAAAAABcAAAAUAAAAAAAAAAAAAAD/fwAA/38AAAAAAAAJAAAABAAAAF8AYAAeAAAAaAAAAAAAAAAAAAAAAAAAAAAAAAAAAAAAECcAABAnAAAAAAAAAAAAAAAAAAAAAAAAAAAAAAAAAAAAAAAAAAAAABQAAAAAAAAAwMD/AAAAAABkAAAAMgAAAAAAAABkAAAAAAAAAH9/fwAKAAAAIgAAABgAAAAAAAAAAAAAAAAAAAAAAAAAAAAAAAAAAAAkAAAAJAAAAAAAAAAHAAAAAAAAAAAAAAAAAAAAAAAAAAAAAAAAAAAAf39/ACUAAABYAAAAAAAAAAAAAAAAAAAAAAAAAAAAAAAAAAAAAAAAAAAAAAAAAAAAAAAAAAAAAAA/AAAAAAAAAKCGAQAAAAAAAAAAAAAAAAAMAAAAAQAAAAAAAAAAAAAAAAAAAB8AAABUAAAAAAAABQAAAAEAAAAAAAAAAAAAAAAAAAAAAAAAAAAAAAAAAAAAAAAAAAAAAAJ/f38AAAAAA8zMzADAwP8Af39/AAAAAAAAAAAAAAAAAAAAAAAAAAAAIQAAABgAAAAUAAAAwAMAANgJAABARwAAchIAABAAAAAmAAAACAAAAAEAAAAAAAAA"/>
               </a:ext>
             </a:extLst>
           </p:cNvSpPr>
@@ -5799,52 +5822,103 @@
             <p:ph type="body" idx="1"/>
           </p:nvPr>
         </p:nvSpPr>
+        <p:spPr>
+          <a:xfrm>
+            <a:off x="609600" y="1600200"/>
+            <a:ext cx="10972800" cy="1398270"/>
+          </a:xfrm>
+        </p:spPr>
+        <p:txBody>
+          <a:bodyPr/>
+          <a:lstStyle/>
+          <a:p>
+            <a:pPr/>
+            <a:r>
+              <a:rPr lang="en-us" cap="none"/>
+              <a:t>Transforms / datasets / models for computer vision</a:t>
+            </a:r>
+            <a:endParaRPr lang="en-us" cap="none"/>
+          </a:p>
+          <a:p>
+            <a:pPr/>
+            <a:r>
+              <a:rPr lang="en-us" cap="none"/>
+              <a:t>Models such as:</a:t>
+            </a:r>
+            <a:endParaRPr lang="en-us" cap="none"/>
+          </a:p>
+          <a:p>
+            <a:pPr lvl="1"/>
+            <a:r>
+              <a:rPr lang="en-us" cap="none"/>
+              <a:t>resnet18: convolutional NN that is 18 layers deep</a:t>
+            </a:r>
+            <a:endParaRPr lang="en-us" cap="none"/>
+          </a:p>
+          <a:p>
+            <a:pPr lvl="1"/>
+            <a:r>
+              <a:rPr lang="en-us" cap="none"/>
+              <a:t>resnet50, resnet101, etc.</a:t>
+            </a:r>
+            <a:endParaRPr lang="en-us" cap="none"/>
+          </a:p>
+          <a:p>
+            <a:pPr lvl="1"/>
+            <a:r>
+              <a:rPr lang="en-us" cap="none"/>
+              <a:t>EfficientNet?</a:t>
+            </a:r>
+            <a:endParaRPr lang="en-us" cap="none"/>
+          </a:p>
+          <a:p>
+            <a:pPr lvl="1"/>
+            <a:r>
+              <a:rPr lang="en-us" cap="none"/>
+              <a:t>Swin Transformers?</a:t>
+            </a:r>
+            <a:endParaRPr lang="en-us" cap="none"/>
+          </a:p>
+          <a:p>
+            <a:pPr lvl="1"/>
+            <a:endParaRPr lang="en-us" cap="none"/>
+          </a:p>
+          <a:p>
+            <a:pPr marL="0" indent="0">
+              <a:buNone/>
+            </a:pPr>
+            <a:endParaRPr lang="en-us" cap="none"/>
+          </a:p>
+          <a:p>
+            <a:pPr marL="0" indent="0">
+              <a:buNone/>
+            </a:pPr>
+            <a:endParaRPr lang="en-us" cap="none"/>
+          </a:p>
+        </p:txBody>
+      </p:sp>
+      <p:sp>
+        <p:nvSpPr>
+          <p:cNvPr id="4" name="Date Placeholder 3"/>
+          <p:cNvSpPr>
+            <a:spLocks noGrp="1" noChangeArrowheads="1"/>
+            <a:extLst>
+              <a:ext uri="smNativeData">
+                <pr:smNativeData xmlns:pr="smNativeData" xmlns="smNativeData" val="SMDATA_15_PhJKaRMAAAAlAAAAZAAAAA0AAAAAkAAAAEgAAACQAAAASAAAAAAAAAABAAAAAAAAAAEAAABQAAAAAAAAAAAA4D8AAAAAAADgPwAAAAAAAOA/AAAAAAAA4D8AAAAAAADgPwAAAAAAAOA/AAAAAAAA4D8AAAAAAADgPwAAAAAAAOA/AAAAAAAA4D8CAAAAjAAAAAAAAAAAAAAAu+DjDP///wgAAAAAAAAAAAAAAAAAAAAAAAAAAAAAAAAAAAAAZAAAAAEAAABAAAAAAAAAAAAAAAAAAAAAAAAAAAAAAAAAAAAAAAAAAAAAAAAAAAAAAAAAAAAAAAAAAAAAAAAAAAAAAAAAAAAAAAAAAAAAAAAAAAAAAAAAAAAAAAAAAAAAFAAAADwAAAAAAAAAAAAAAAAAAAkUAAAAAQAAABQAAAAUAAAAFAAAAAEAAAAAAAAAZAAAAGQAAAAAAAAAZAAAAGQAAAAVAAAAYAAAAAAAAAAAAAAADwAAACADAAAAAAAAAAAAAAEAAACgMgAAVgcAAKr4//8BAAAAf39/AAEAAABkAAAAAAAAABQAAABAHwAAAAAAACYAAAAAAAAAwOD//wAAAAAmAAAAZAAAABYAAABMAAAAAAAAAAAAAAAEAAAAAAAAAAEAAACAgIAKAAAAACgAAAAoAAAAZAAAAGQAAAAAAAAAzMzMAAAAAABQAAAAUAAAAGQAAABkAAAAAAAAABcAAAAUAAAAAAAAAAAAAAD/fwAA/38AAAAAAAAJAAAABAAAAAAAAAAeAAAAaAAAAAAAAAAAAAAAAAAAAAAAAAAAAAAAECcAABAnAAAAAAAAAAAAAAAAAAAAAAAAAAAAAAAAAAAAAAAAAAAAABQAAAAAAAAAwMD/AAAAAABkAAAAMgAAAAAAAABkAAAAAAAAAH9/fwAKAAAAIgAAABgAAAAAAAAAAAAAAAAAAAAAAAAAAAAAAAAAAAAkAAAAJAAAAAAAAAAHAAAAAAAAAAAAAAAAAAAAAAAAAAAAAAAAAAAAf39/ACUAAABYAAAAAAAAAAAAAAAAAAAAAAAAAAAAAAAAAAAAAAAAAAAAAAAAAAAAAAAAAAAAAAA/AAAAAAAAAKCGAQAAAAAAAAAAAAAAAAAMAAAAAQAAAAAAAAAAAAAAAAAAAB8AAABUAAAAAAAABQAAAAEAAAAAAAAAAAAAAAAAAAAAAAAAAAAAAAAAAAAAAAAAAAAAAAJ/f38AAAAAA8zMzADAwP8Af39/AAAAAAAAAAAAAAAAAAAAAAAAAAAAIQAAABgAAAAUAAAAwAMAABsnAAA/FQAAWSkAABAAAAAmAAAACAAAAAAAAAAAAAAA"/>
+              </a:ext>
+            </a:extLst>
+          </p:cNvSpPr>
+          <p:nvPr>
+            <p:ph type="dt" sz="quarter" idx="10"/>
+          </p:nvPr>
+        </p:nvSpPr>
         <p:spPr/>
         <p:txBody>
           <a:bodyPr/>
           <a:lstStyle/>
           <a:p>
             <a:pPr/>
-            <a:r>
-              <a:t>Speech Recognition</a:t>
-            </a:r>
-          </a:p>
-          <a:p>
-            <a:pPr/>
-            <a:r>
-              <a:t>Wave data-to-vector transforms</a:t>
-            </a:r>
-          </a:p>
-          <a:p>
-            <a:pPr/>
-          </a:p>
-          <a:p>
-            <a:pPr/>
-          </a:p>
-        </p:txBody>
-      </p:sp>
-      <p:sp>
-        <p:nvSpPr>
-          <p:cNvPr id="4" name="Date Placeholder 3"/>
-          <p:cNvSpPr>
-            <a:spLocks noGrp="1" noChangeArrowheads="1"/>
-            <a:extLst>
-              <a:ext uri="smNativeData">
-                <pr:smNativeData xmlns:pr="smNativeData" xmlns="smNativeData" val="SMDATA_15_D/RJaRMAAAAlAAAAZAAAAA0AAAAAkAAAAEgAAACQAAAASAAAAAAAAAABAAAAAAAAAAEAAABQAAAAAAAAAAAA4D8AAAAAAADgPwAAAAAAAOA/AAAAAAAA4D8AAAAAAADgPwAAAAAAAOA/AAAAAAAA4D8AAAAAAADgPwAAAAAAAOA/AAAAAAAA4D8CAAAAjAAAAAAAAAAAAAAAu+DjDP///wgAAAAAAAAAAAAAAAAAAAAAAAAAAAAAAAAAAAAAZAAAAAEAAABAAAAAAAAAAAAAAAAAAAAAAAAAAAAAAAAAAAAAAAAAAAAAAAAAAAAAAAAAAAAAAAAAAAAAAAAAAAAAAAAAAAAAAAAAAAAAAAAAAAAAAAAAAAAAAAAAAAAAFAAAADwAAAAAAAAAAAAAAAAAAAkUAAAAAQAAABQAAAAUAAAAFAAAAAEAAAAAAAAAZAAAAGQAAAAAAAAAZAAAAGQAAAAVAAAAYAAAAAAAAAAAAAAADwAAACADAAAAAAAAAAAAAAEAAACgMgAAVgcAAKr4//8BAAAAf39/AAEAAABkAAAAAAAAABQAAABAHwAAAAAAACYAAAAAAAAAwOD//wAAAAAmAAAAZAAAABYAAABMAAAAAAAAAAAAAAAEAAAAAAAAAAEAAACAgIAKAAAAACgAAAAoAAAAZAAAAGQAAAAAAAAAzMzMAAAAAABQAAAAUAAAAGQAAABkAAAAAAAAABcAAAAUAAAAAAAAAAAAAAD/fwAA/38AAAAAAAAJAAAABAAAAAAAAAAeAAAAaAAAAAAAAAAAAAAAAAAAAAAAAAAAAAAAECcAABAnAAAAAAAAAAAAAAAAAAAAAAAAAAAAAAAAAAAAAAAAAAAAABQAAAAAAAAAwMD/AAAAAABkAAAAMgAAAAAAAABkAAAAAAAAAH9/fwAKAAAAIgAAABgAAAAAAAAAAAAAAAAAAAAAAAAAAAAAAAAAAAAkAAAAJAAAAAAAAAAHAAAAAAAAAAAAAAAAAAAAAAAAAAAAAAAAAAAAf39/ACUAAABYAAAAAAAAAAAAAAAAAAAAAAAAAAAAAAAAAAAAAAAAAAAAAAAAAAAAAAAAAAAAAAA/AAAAAAAAAKCGAQAAAAAAAAAAAAAAAAAMAAAAAQAAAAAAAAAAAAAAAAAAAB8AAABUAAAAAAAABQAAAAEAAAAAAAAAAAAAAAAAAAAAAAAAAAAAAAAAAAAAAAAAAAAAAAJ/f38AAAAAA8zMzADAwP8Af39/AAAAAAAAAAAAAAAAAAAAAAAAAAAAIQAAABgAAAAUAAAAwAMAABsnAAA/FQAAWSkAABAAAAAmAAAACAAAAAAAAAAAAAAA"/>
-              </a:ext>
-            </a:extLst>
-          </p:cNvSpPr>
-          <p:nvPr>
-            <p:ph type="dt" sz="quarter" idx="10"/>
-          </p:nvPr>
-        </p:nvSpPr>
-        <p:spPr/>
-        <p:txBody>
-          <a:bodyPr/>
-          <a:lstStyle/>
-          <a:p>
-            <a:pPr/>
-            <a:fld id="{0C3DF938-76E1-680F-AF85-805AB7CB59D5}" type="datetime1">
+            <a:fld id="{0CA7B3A4-EAE1-F245-AF1F-1C10FD515949}" type="datetime1">
               <a:rPr lang="en-us" cap="none"/>
               <a:t>12/22/2025</a:t>
             </a:fld>
@@ -5859,7 +5933,7 @@
             <a:spLocks noGrp="1" noChangeArrowheads="1"/>
             <a:extLst>
               <a:ext uri="smNativeData">
-                <pr:smNativeData xmlns:pr="smNativeData" xmlns="smNativeData" val="SMDATA_15_D/RJaRMAAAAlAAAAZAAAAA0AAAAAkAAAAEgAAACQAAAASAAAAAAAAAABAAAAAAAAAAEAAABQAAAAAAAAAAAA4D8AAAAAAADgPwAAAAAAAOA/AAAAAAAA4D8AAAAAAADgPwAAAAAAAOA/AAAAAAAA4D8AAAAAAADgPwAAAAAAAOA/AAAAAAAA4D8CAAAAjAAAAAAAAAAAAAAAu+DjDP///wgAAAAAAAAAAAAAAAAAAAAAAAAAAAAAAAAAAAAAZAAAAAEAAABAAAAAAAAAAAAAAAAAAAAAAAAAAAAAAAAAAAAAAAAAAAAAAAAAAAAAAAAAAAAAAAAAAAAAAAAAAAAAAAAAAAAAAAAAAAAAAAAAAAAAAAAAAAAAAAAAAAAAFAAAADwAAAAAAAAAAAAAAAAAAAkUAAAAAQAAABQAAAAUAAAAFAAAAAEAAAAAAAAAZAAAAGQAAAAAAAAAZAAAAGQAAAAVAAAAYAAAAAAAAAAAAAAADwAAACADAAAAAAAAAAAAAAEAAACgMgAAVgcAAKr4//8BAAAAf39/AAEAAABkAAAAAAAAABQAAABAHwAAAAAAACYAAAAAAAAAwOD//wAAAAAmAAAAZAAAABYAAABMAAAAAAAAAAAAAAAEAAAAAAAAAAEAAACAgIAKAAAAACgAAAAoAAAAZAAAAGQAAAAAAAAAzMzMAAAAAABQAAAAUAAAAGQAAABkAAAAAAAAABcAAAAUAAAAAAAAAAAAAAD/fwAA/38AAAAAAAAJAAAABAAAAAAAAAAeAAAAaAAAAAAAAAAAAAAAAAAAAAAAAAAAAAAAECcAABAnAAAAAAAAAAAAAAAAAAAAAAAAAAAAAAAAAAAAAAAAAAAAABQAAAAAAAAAwMD/AAAAAABkAAAAMgAAAAAAAABkAAAAAAAAAH9/fwAKAAAAIgAAABgAAAAAAAAAAAAAAAAAAAAAAAAAAAAAAAAAAAAkAAAAJAAAAAAAAAAHAAAAAAAAAAAAAAAAAAAAAAAAAAAAAAAAAAAAf39/ACUAAABYAAAAAAAAAAAAAAAAAAAAAAAAAAAAAAAAAAAAAAAAAAAAAAAAAAAAAAAAAAAAAAA/AAAAAAAAAKCGAQAAAAAAAAAAAAAAAAAMAAAAAQAAAAAAAAAAAAAAAAAAAB8AAABUAAAAAAAABQAAAAEAAAAAAAAAAAAAAAAAAAAAAAAAAAAAAAAAAAAAAAAAAAAAAAJ/f38AAAAAA8zMzADAwP8Af39/AAAAAAAAAAAAAAAAAAAAAAAAAAAAIQAAABgAAAAUAAAAwTUAABsnAABARwAAWSkAABAAAAAmAAAACAAAAAAAAAAAAAAA"/>
+                <pr:smNativeData xmlns:pr="smNativeData" xmlns="smNativeData" val="SMDATA_15_PhJKaRMAAAAlAAAAZAAAAA0AAAAAkAAAAEgAAACQAAAASAAAAAAAAAABAAAAAAAAAAEAAABQAAAAAAAAAAAA4D8AAAAAAADgPwAAAAAAAOA/AAAAAAAA4D8AAAAAAADgPwAAAAAAAOA/AAAAAAAA4D8AAAAAAADgPwAAAAAAAOA/AAAAAAAA4D8CAAAAjAAAAAAAAAAAAAAAu+DjDP///wgAAAAAAAAAAAAAAAAAAAAAAAAAAAAAAAAAAAAAZAAAAAEAAABAAAAAAAAAAAAAAAAAAAAAAAAAAAAAAAAAAAAAAAAAAAAAAAAAAAAAAAAAAAAAAAAAAAAAAAAAAAAAAAAAAAAAAAAAAAAAAAAAAAAAAAAAAAAAAAAAAAAAFAAAADwAAAAAAAAAAAAAAAAAAAkUAAAAAQAAABQAAAAUAAAAFAAAAAEAAAAAAAAAZAAAAGQAAAAAAAAAZAAAAGQAAAAVAAAAYAAAAAAAAAAAAAAADwAAACADAAAAAAAAAAAAAAEAAACgMgAAVgcAAKr4//8BAAAAf39/AAEAAABkAAAAAAAAABQAAABAHwAAAAAAACYAAAAAAAAAwOD//wAAAAAmAAAAZAAAABYAAABMAAAAAAAAAAAAAAAEAAAAAAAAAAEAAACAgIAKAAAAACgAAAAoAAAAZAAAAGQAAAAAAAAAzMzMAAAAAABQAAAAUAAAAGQAAABkAAAAAAAAABcAAAAUAAAAAAAAAAAAAAD/fwAA/38AAAAAAAAJAAAABAAAAPcgBUUeAAAAaAAAAAAAAAAAAAAAAAAAAAAAAAAAAAAAECcAABAnAAAAAAAAAAAAAAAAAAAAAAAAAAAAAAAAAAAAAAAAAAAAABQAAAAAAAAAwMD/AAAAAABkAAAAMgAAAAAAAABkAAAAAAAAAH9/fwAKAAAAIgAAABgAAAAAAAAAAAAAAAAAAAAAAAAAAAAAAAAAAAAkAAAAJAAAAAAAAAAHAAAAAAAAAAAAAAAAAAAAAAAAAAAAAAAAAAAAf39/ACUAAABYAAAAAAAAAAAAAAAAAAAAAAAAAAAAAAAAAAAAAAAAAAAAAAAAAAAAAAAAAAAAAAA/AAAAAAAAAKCGAQAAAAAAAAAAAAAAAAAMAAAAAQAAAAAAAAAAAAAAAAAAAB8AAABUAAAAAAAABQAAAAEAAAAAAAAAAAAAAAAAAAAAAAAAAAAAAAAAAAAAAAAAAAAAAAJ/f38AAAAAA8zMzADAwP8Af39/AAAAAAAAAAAAAAAAAAAAAAAAAAAAIQAAABgAAAAUAAAAwTUAABsnAABARwAAWSkAABAAAAAmAAAACAAAAAAAAAAAAAAA"/>
               </a:ext>
             </a:extLst>
           </p:cNvSpPr>
@@ -5873,10 +5947,89 @@
           <a:lstStyle/>
           <a:p>
             <a:pPr/>
-            <a:fld id="{0C3DB253-1DE1-6844-AF85-EB11FCCB59BE}" type="slidenum">
+            <a:fld id="{0CA7938C-C2E1-F265-AF1F-3430DD515961}" type="slidenum">
               <a:rPr lang="en-us" cap="none"/>
-              <a:t>9</a:t>
+              <a:t>8</a:t>
             </a:fld>
+            <a:endParaRPr lang="en-us" cap="none"/>
+          </a:p>
+        </p:txBody>
+      </p:sp>
+      <p:sp>
+        <p:nvSpPr>
+          <p:cNvPr id="6" name="TextBox 5"/>
+          <p:cNvSpPr>
+            <a:extLst>
+              <a:ext uri="smNativeData">
+                <pr:smNativeData xmlns:pr="smNativeData" xmlns="smNativeData" val="SMDATA_15_PhJKaRMAAAAlAAAAZAAAAE0AAAAAkAAAAEgAAACQAAAASAAAAAAAAAAAAAAAAAAAAAEAAABQAAAAAAAAAAAA4D8AAAAAAADgPwAAAAAAAOA/AAAAAAAA4D8AAAAAAADgPwAAAAAAAOA/AAAAAAAA4D8AAAAAAADgPwAAAAAAAOA/AAAAAAAA4D8CAAAAjAAAAAAAAAAAAAAAu+DjDP///wgAAAAAAAAAAAAAAAAAAAAAAAAAAAAAAAAAAAAAZAAAAAEAAABAAAAAAAAAAAAAAAAAAAAAAAAAAAAAAAAAAAAAAAAAAAAAAAAAAAAAAAAAAAAAAAAAAAAAAAAAAAAAAAAAAAAAAAAAAAAAAAAAAAAAAAAAAAAAAAAAAAAAFAAAADwAAAAAAAAAAAAAAAAAAAAPAAAAAQAAACMAAAAjAAAAIwAAAB4AAAAAAAAAZAAAAGQAAAAAAAAAZAAAAGQAAAAVAAAAYAAAAAAAAAAAAAAADwAAACADAAAAAAAAAAAAAAEAAACgMgAAVgcAAKr4//8BAAAAf39/AAEAAABkAAAAAAAAABQAAABAHwAAAAAAACYAAAAAAAAAwOD//wAAAAAmAAAAZAAAABYAAABMAAAAAAAAAAAAAAAEAAAAAAAAAAEAAACAgIAKAAAAACgAAAAoAAAAZAAAAGQAAAAAAAAAzMzMAAAAAABQAAAAUAAAAGQAAABkAAAAAAAAABcAAAAUAAAAAAAAAAAAAAD/fwAA/38AAAAAAAAJAAAABAAAAF8AYAAeAAAAaAAAAAAAAAAAAAAAAAAAAAAAAAAAAAAAECcAABAnAAAAAAAAAAAAAAAAAAAAAAAAAAAAAAAAAAAAAAAAAAAAABQAAAAAAAAAwMD/AAAAAABkAAAAMgAAAAAAAABkAAAAAAAAAH9/fwAKAAAAIgAAABgAAAAAAAAAAAAAAAAAAAAAAAAAAAAAAAAAAAAkAAAAJAAAAAAAAAAHAAAAAAAAAAAAAAAAAAAAAAAAAAAAAAAAAAAAf39/ACUAAABYAAAAAAAAAAAAAAAAAAAAAAAAAAAAAAAAAAAAAAAAAAAAAAAAAAAAAAAAAAAAAAA/AAAAAAAAAKCGAQAAAAAAAAAAAAAAAAAMAAAAAQAAAAAAAAAAAAAAAAAAAB8AAABUAAAAu+DjBf///wEAAAAAAAAAAAAAAAAAAAAAAAAAAAAAAAAAAAAAAAAAAAAAAAB/f38AgICAA8zMzADAwP8Af39/AAAAAAAAAAAAAAAAAAAAAAAAAAAAIQAAABgAAAAUAAAA1gQAAEYbAABwJAAAESYAABAgAAAmAAAACAAAAP//////////"/>
+              </a:ext>
+            </a:extLst>
+          </p:cNvSpPr>
+          <p:nvPr/>
+        </p:nvSpPr>
+        <p:spPr>
+          <a:xfrm>
+            <a:off x="786130" y="4433570"/>
+            <a:ext cx="5137150" cy="1754505"/>
+          </a:xfrm>
+          <a:prstGeom prst="rect">
+            <a:avLst/>
+          </a:prstGeom>
+          <a:noFill/>
+          <a:ln>
+            <a:noFill/>
+          </a:ln>
+          <a:effectLst/>
+        </p:spPr>
+        <p:txBody>
+          <a:bodyPr vert="horz" wrap="none" lIns="91440" tIns="45720" rIns="91440" bIns="45720" numCol="1" spcCol="215900" anchor="t"/>
+          <a:lstStyle/>
+          <a:p>
+            <a:pPr/>
+            <a:r>
+              <a:rPr lang="en-us" cap="none"/>
+              <a:t>transform = transforms.Compose([</a:t>
+            </a:r>
+            <a:endParaRPr lang="en-us" cap="none"/>
+          </a:p>
+          <a:p>
+            <a:pPr/>
+            <a:r>
+              <a:rPr lang="en-us" cap="none"/>
+              <a:t>    transforms.Resize((img_size, img_size)),</a:t>
+            </a:r>
+            <a:endParaRPr lang="en-us" cap="none"/>
+          </a:p>
+          <a:p>
+            <a:pPr/>
+            <a:r>
+              <a:rPr lang="en-us" cap="none"/>
+              <a:t>    transforms.ToTensor(),</a:t>
+            </a:r>
+            <a:endParaRPr lang="en-us" cap="none"/>
+          </a:p>
+          <a:p>
+            <a:pPr/>
+            <a:r>
+              <a:rPr lang="en-us" cap="none"/>
+              <a:t>    transforms.Normalize(mean=[0.485, 0.456, 0.406],</a:t>
+            </a:r>
+            <a:endParaRPr lang="en-us" cap="none"/>
+          </a:p>
+          <a:p>
+            <a:pPr/>
+            <a:r>
+              <a:rPr lang="en-us" cap="none"/>
+              <a:t>                         std=[0.229, 0.224, 0.225]),</a:t>
+            </a:r>
+            <a:endParaRPr lang="en-us" cap="none"/>
+          </a:p>
+          <a:p>
+            <a:pPr/>
+            <a:r>
+              <a:rPr lang="en-us" cap="none"/>
+              <a:t>])</a:t>
+            </a:r>
             <a:endParaRPr lang="en-us" cap="none"/>
           </a:p>
         </p:txBody>
@@ -6967,6 +7120,47 @@
       </a:clrScheme>
       <a:clrMap bg1="lt1" tx1="dk1" bg2="lt2" tx2="dk2" accent1="accent1" accent2="accent2" accent3="accent3" accent4="accent4" accent5="accent5" accent6="accent6" hlink="hlink" folHlink="folHlink"/>
     </a:extraClrScheme>
+    <a:extraClrScheme>
+      <a:clrScheme name="Presentation 21">
+        <a:dk1>
+          <a:srgbClr val="000000"/>
+        </a:dk1>
+        <a:lt1>
+          <a:srgbClr val="FFFFFF"/>
+        </a:lt1>
+        <a:dk2>
+          <a:srgbClr val="000000"/>
+        </a:dk2>
+        <a:lt2>
+          <a:srgbClr val="808080"/>
+        </a:lt2>
+        <a:accent1>
+          <a:srgbClr val="BBE0E3"/>
+        </a:accent1>
+        <a:accent2>
+          <a:srgbClr val="333399"/>
+        </a:accent2>
+        <a:accent3>
+          <a:srgbClr val="535379"/>
+        </a:accent3>
+        <a:accent4>
+          <a:srgbClr val="737359"/>
+        </a:accent4>
+        <a:accent5>
+          <a:srgbClr val="939339"/>
+        </a:accent5>
+        <a:accent6>
+          <a:srgbClr val="B3B319"/>
+        </a:accent6>
+        <a:hlink>
+          <a:srgbClr val="009999"/>
+        </a:hlink>
+        <a:folHlink>
+          <a:srgbClr val="99CC00"/>
+        </a:folHlink>
+      </a:clrScheme>
+      <a:clrMap bg1="lt1" tx1="dk1" bg2="lt2" tx2="dk2" accent1="accent1" accent2="accent2" accent3="accent3" accent4="accent4" accent5="accent5" accent6="accent6" hlink="hlink" folHlink="folHlink"/>
+    </a:extraClrScheme>
   </a:extraClrSchemeLst>
 </a:theme>
 </file>
--- a/AI/AI PyTorch.pptx
+++ b/AI/AI PyTorch.pptx
@@ -1,25 +1,28 @@
 
 <file path=ppt/presentation.xml><?xml version="1.0" encoding="utf-8"?>
-<p:presentation xmlns:p="http://schemas.openxmlformats.org/presentationml/2006/main" xmlns:mc="http://schemas.openxmlformats.org/markup-compatibility/2006" xmlns:p14="http://schemas.microsoft.com/office/powerpoint/2010/main" xmlns:p15="http://schemas.microsoft.com/office/powerpoint/2012/main" xmlns:r="http://schemas.openxmlformats.org/officeDocument/2006/relationships" xmlns:a="http://schemas.openxmlformats.org/drawingml/2006/main">
+<p:presentation xmlns:a="http://schemas.openxmlformats.org/drawingml/2006/main" xmlns:r="http://schemas.openxmlformats.org/officeDocument/2006/relationships" xmlns:p="http://schemas.openxmlformats.org/presentationml/2006/main">
   <p:sldMasterIdLst>
-    <p:sldMasterId id="2147483648" r:id="rId5"/>
+    <p:sldMasterId id="2147483648" r:id="rId1"/>
   </p:sldMasterIdLst>
   <p:sldIdLst>
-    <p:sldId id="256" r:id="rId6"/>
-    <p:sldId id="259" r:id="rId7"/>
-    <p:sldId id="271" r:id="rId8"/>
-    <p:sldId id="261" r:id="rId9"/>
-    <p:sldId id="260" r:id="rId10"/>
-    <p:sldId id="258" r:id="rId11"/>
-    <p:sldId id="262" r:id="rId12"/>
-    <p:sldId id="263" r:id="rId13"/>
-    <p:sldId id="264" r:id="rId14"/>
-    <p:sldId id="265" r:id="rId15"/>
-    <p:sldId id="266" r:id="rId16"/>
-    <p:sldId id="267" r:id="rId17"/>
-    <p:sldId id="268" r:id="rId18"/>
-    <p:sldId id="269" r:id="rId19"/>
-    <p:sldId id="270" r:id="rId20"/>
+    <p:sldId id="256" r:id="rId2"/>
+    <p:sldId id="273" r:id="rId3"/>
+    <p:sldId id="259" r:id="rId4"/>
+    <p:sldId id="271" r:id="rId5"/>
+    <p:sldId id="261" r:id="rId6"/>
+    <p:sldId id="260" r:id="rId7"/>
+    <p:sldId id="258" r:id="rId8"/>
+    <p:sldId id="262" r:id="rId9"/>
+    <p:sldId id="263" r:id="rId10"/>
+    <p:sldId id="264" r:id="rId11"/>
+    <p:sldId id="265" r:id="rId12"/>
+    <p:sldId id="266" r:id="rId13"/>
+    <p:sldId id="267" r:id="rId14"/>
+    <p:sldId id="268" r:id="rId15"/>
+    <p:sldId id="269" r:id="rId16"/>
+    <p:sldId id="270" r:id="rId17"/>
+    <p:sldId id="272" r:id="rId18"/>
+    <p:sldId id="274" r:id="rId19"/>
   </p:sldIdLst>
   <p:sldSz cx="12192000" cy="6858000"/>
   <p:notesSz cx="6858000" cy="12192000"/>
@@ -42,7 +45,7 @@
         </a:solidFill>
         <a:effectLst/>
         <a:latin typeface="Calibri" pitchFamily="2" charset="0"/>
-        <a:ea typeface="SimSun" pitchFamily="0" charset="0"/>
+        <a:ea typeface="SimSun" charset="0"/>
         <a:cs typeface="Times New Roman" pitchFamily="1" charset="0"/>
       </a:defRPr>
     </a:lvl1pPr>
@@ -64,7 +67,7 @@
         </a:solidFill>
         <a:effectLst/>
         <a:latin typeface="Calibri" pitchFamily="2" charset="0"/>
-        <a:ea typeface="SimSun" pitchFamily="0" charset="0"/>
+        <a:ea typeface="SimSun" charset="0"/>
         <a:cs typeface="Times New Roman" pitchFamily="1" charset="0"/>
       </a:defRPr>
     </a:lvl2pPr>
@@ -86,7 +89,7 @@
         </a:solidFill>
         <a:effectLst/>
         <a:latin typeface="Calibri" pitchFamily="2" charset="0"/>
-        <a:ea typeface="SimSun" pitchFamily="0" charset="0"/>
+        <a:ea typeface="SimSun" charset="0"/>
         <a:cs typeface="Times New Roman" pitchFamily="1" charset="0"/>
       </a:defRPr>
     </a:lvl3pPr>
@@ -108,7 +111,7 @@
         </a:solidFill>
         <a:effectLst/>
         <a:latin typeface="Calibri" pitchFamily="2" charset="0"/>
-        <a:ea typeface="SimSun" pitchFamily="0" charset="0"/>
+        <a:ea typeface="SimSun" charset="0"/>
         <a:cs typeface="Times New Roman" pitchFamily="1" charset="0"/>
       </a:defRPr>
     </a:lvl4pPr>
@@ -130,7 +133,7 @@
         </a:solidFill>
         <a:effectLst/>
         <a:latin typeface="Calibri" pitchFamily="2" charset="0"/>
-        <a:ea typeface="SimSun" pitchFamily="0" charset="0"/>
+        <a:ea typeface="SimSun" charset="0"/>
         <a:cs typeface="Times New Roman" pitchFamily="1" charset="0"/>
       </a:defRPr>
     </a:lvl5pPr>
@@ -152,7 +155,7 @@
         </a:solidFill>
         <a:effectLst/>
         <a:latin typeface="Calibri" pitchFamily="2" charset="0"/>
-        <a:ea typeface="SimSun" pitchFamily="0" charset="0"/>
+        <a:ea typeface="SimSun" charset="0"/>
         <a:cs typeface="Times New Roman" pitchFamily="1" charset="0"/>
       </a:defRPr>
     </a:lvl6pPr>
@@ -174,7 +177,7 @@
         </a:solidFill>
         <a:effectLst/>
         <a:latin typeface="Calibri" pitchFamily="2" charset="0"/>
-        <a:ea typeface="SimSun" pitchFamily="0" charset="0"/>
+        <a:ea typeface="SimSun" charset="0"/>
         <a:cs typeface="Times New Roman" pitchFamily="1" charset="0"/>
       </a:defRPr>
     </a:lvl7pPr>
@@ -196,7 +199,7 @@
         </a:solidFill>
         <a:effectLst/>
         <a:latin typeface="Calibri" pitchFamily="2" charset="0"/>
-        <a:ea typeface="SimSun" pitchFamily="0" charset="0"/>
+        <a:ea typeface="SimSun" charset="0"/>
         <a:cs typeface="Times New Roman" pitchFamily="1" charset="0"/>
       </a:defRPr>
     </a:lvl8pPr>
@@ -218,16 +221,35 @@
         </a:solidFill>
         <a:effectLst/>
         <a:latin typeface="Calibri" pitchFamily="2" charset="0"/>
-        <a:ea typeface="SimSun" pitchFamily="0" charset="0"/>
+        <a:ea typeface="SimSun" charset="0"/>
         <a:cs typeface="Times New Roman" pitchFamily="1" charset="0"/>
       </a:defRPr>
     </a:lvl9pPr>
   </p:defaultTextStyle>
+  <p:extLst>
+    <p:ext uri="{EFAFB233-063F-42B5-8137-9DF3F51BA10A}">
+      <p15:sldGuideLst xmlns:p15="http://schemas.microsoft.com/office/powerpoint/2012/main">
+        <p15:guide id="1" orient="horz" pos="2160">
+          <p15:clr>
+            <a:srgbClr val="A4A3A4"/>
+          </p15:clr>
+        </p15:guide>
+        <p15:guide id="2" pos="3840">
+          <p15:clr>
+            <a:srgbClr val="A4A3A4"/>
+          </p15:clr>
+        </p15:guide>
+      </p15:sldGuideLst>
+    </p:ext>
+    <p:ext uri="{2D200454-40CA-4A62-9FC3-DE9A4176ACB9}">
+      <p15:notesGuideLst xmlns:p15="http://schemas.microsoft.com/office/powerpoint/2012/main"/>
+    </p:ext>
+  </p:extLst>
 </p:presentation>
 </file>
 
 <file path=ppt/slideLayouts/slideLayout1.xml><?xml version="1.0" encoding="utf-8"?>
-<p:sldLayout xmlns:p="http://schemas.openxmlformats.org/presentationml/2006/main" xmlns:mc="http://schemas.openxmlformats.org/markup-compatibility/2006" xmlns:p14="http://schemas.microsoft.com/office/powerpoint/2010/main" xmlns:p15="http://schemas.microsoft.com/office/powerpoint/2012/main" xmlns:r="http://schemas.openxmlformats.org/officeDocument/2006/relationships" xmlns:a="http://schemas.openxmlformats.org/drawingml/2006/main" type="title">
+<p:sldLayout xmlns:a="http://schemas.openxmlformats.org/drawingml/2006/main" xmlns:r="http://schemas.openxmlformats.org/officeDocument/2006/relationships" xmlns:p="http://schemas.openxmlformats.org/presentationml/2006/main" type="title">
   <p:cSld name="Title slide">
     <p:spTree>
       <p:nvGrpSpPr>
@@ -250,7 +272,7 @@
             <a:spLocks noGrp="1" noChangeArrowheads="1"/>
             <a:extLst>
               <a:ext uri="smNativeData">
-                <pr:smNativeData xmlns:pr="smNativeData" xmlns="smNativeData" val="SMDATA_15_PhJKaRMAAAAlAAAAZAAAAA0AAAAAkAAAAEgAAACQAAAASAAAAAAAAAABAAAAAAAAAAEAAABQAAAAAAAAAAAA4D8AAAAAAADgPwAAAAAAAOA/AAAAAAAA4D8AAAAAAADgPwAAAAAAAOA/AAAAAAAA4D8AAAAAAADgPwAAAAAAAOA/AAAAAAAA4D8CAAAAjAAAAAAAAAAAAAAAu+DjDP///wgAAAAAAAAAAAAAAAAAAAAAAAAAAAAAAAAAAAAAZAAAAAEAAABAAAAAAAAAAAAAAAAAAAAAAAAAAAAAAAAAAAAAAAAAAAAAAAAAAAAAAAAAAAAAAAAAAAAAAAAAAAAAAAAAAAAAAAAAAAAAAAAAAAAAAAAAAAAAAAAAAAAAFAAAADwAAAAAAAAAAAAAAAAAAAkUAAAAAQAAABQAAAAUAAAAFAAAAAEAAAAAAAAAZAAAAGQAAAAAAAAAZAAAAGQAAAAVAAAAYAAAAAAAAAAAAAAADwAAACADAAAAAAAAAAAAAAEAAACgMgAAVgcAAKr4//8BAAAAf39/AAEAAABkAAAAAAAAABQAAABAHwAAAAAAACYAAAAAAAAAwOD//wAAAAAmAAAAZAAAABYAAABMAAAAAAAAAAAAAAAEAAAAAAAAAAEAAACAgIAKAAAAACgAAAAoAAAAZAAAAGQAAAAAAAAAzMzMAAAAAABQAAAAUAAAAGQAAABkAAAAAAAAABcAAAAUAAAAAAAAAAAAAAD/fwAA/38AAAAAAAAJAAAABAAAABxYQAweAAAAaAAAAAAAAAAAAAAAAAAAAAAAAAAAAAAAECcAABAnAAAAAAAAAAAAAAAAAAAAAAAAAAAAAAAAAAAAAAAAAAAAABQAAAAAAAAAwMD/AAAAAABkAAAAMgAAAAAAAABkAAAAAAAAAH9/fwAKAAAAIgAAABgAAAAAAAAAAAAAAAAAAAAAAAAAAAAAAAAAAAAkAAAAJAAAAAAAAAAHAAAAAAAAAAAAAAAAAAAAAAAAAAAAAAAAAAAAf39/ACUAAABYAAAAAAAAAAAAAAAAAAAAAAAAAAAAAAAAAAAAAAAAAAAAAAAAAAAAAAAAAAAAAAA/AAAAAAAAAKCGAQAAAAAAAAAAAAAAAAAMAAAAAQAAAAAAAAAAAAAAAAAAAB8AAABUAAAAAAAABQAAAAEAAAAAAAAAAAAAAAAAAAAAAAAAAAAAAAAAAAAAAAAAAAAAAAJ/f38AAAAAA8zMzADAwP8Af39/AAAAAAAAAAAAAAAAAAAAAAAAAAAAIQAAABgAAAAUAAAAoAUAABoNAABgRQAAJhYAABAAAAAmAAAACAAAAAEAAAAAAAAA"/>
+                <pr:smNativeData xmlns:mc="http://schemas.openxmlformats.org/markup-compatibility/2006" xmlns:p14="http://schemas.microsoft.com/office/powerpoint/2010/main" xmlns:p15="http://schemas.microsoft.com/office/powerpoint/2012/main" xmlns:pr="smNativeData" xmlns="smNativeData" val="SMDATA_15_PhJKaRMAAAAlAAAAZAAAAA0AAAAAkAAAAEgAAACQAAAASAAAAAAAAAABAAAAAAAAAAEAAABQAAAAAAAAAAAA4D8AAAAAAADgPwAAAAAAAOA/AAAAAAAA4D8AAAAAAADgPwAAAAAAAOA/AAAAAAAA4D8AAAAAAADgPwAAAAAAAOA/AAAAAAAA4D8CAAAAjAAAAAAAAAAAAAAAu+DjDP///wgAAAAAAAAAAAAAAAAAAAAAAAAAAAAAAAAAAAAAZAAAAAEAAABAAAAAAAAAAAAAAAAAAAAAAAAAAAAAAAAAAAAAAAAAAAAAAAAAAAAAAAAAAAAAAAAAAAAAAAAAAAAAAAAAAAAAAAAAAAAAAAAAAAAAAAAAAAAAAAAAAAAAFAAAADwAAAAAAAAAAAAAAAAAAAkUAAAAAQAAABQAAAAUAAAAFAAAAAEAAAAAAAAAZAAAAGQAAAAAAAAAZAAAAGQAAAAVAAAAYAAAAAAAAAAAAAAADwAAACADAAAAAAAAAAAAAAEAAACgMgAAVgcAAKr4//8BAAAAf39/AAEAAABkAAAAAAAAABQAAABAHwAAAAAAACYAAAAAAAAAwOD//wAAAAAmAAAAZAAAABYAAABMAAAAAAAAAAAAAAAEAAAAAAAAAAEAAACAgIAKAAAAACgAAAAoAAAAZAAAAGQAAAAAAAAAzMzMAAAAAABQAAAAUAAAAGQAAABkAAAAAAAAABcAAAAUAAAAAAAAAAAAAAD/fwAA/38AAAAAAAAJAAAABAAAABxYQAweAAAAaAAAAAAAAAAAAAAAAAAAAAAAAAAAAAAAECcAABAnAAAAAAAAAAAAAAAAAAAAAAAAAAAAAAAAAAAAAAAAAAAAABQAAAAAAAAAwMD/AAAAAABkAAAAMgAAAAAAAABkAAAAAAAAAH9/fwAKAAAAIgAAABgAAAAAAAAAAAAAAAAAAAAAAAAAAAAAAAAAAAAkAAAAJAAAAAAAAAAHAAAAAAAAAAAAAAAAAAAAAAAAAAAAAAAAAAAAf39/ACUAAABYAAAAAAAAAAAAAAAAAAAAAAAAAAAAAAAAAAAAAAAAAAAAAAAAAAAAAAAAAAAAAAA/AAAAAAAAAKCGAQAAAAAAAAAAAAAAAAAMAAAAAQAAAAAAAAAAAAAAAAAAAB8AAABUAAAAAAAABQAAAAEAAAAAAAAAAAAAAAAAAAAAAAAAAAAAAAAAAAAAAAAAAAAAAAJ/f38AAAAAA8zMzADAwP8Af39/AAAAAAAAAAAAAAAAAAAAAAAAAAAAIQAAABgAAAAUAAAAoAUAABoNAABgRQAAJhYAABAAAAAmAAAACAAAAAEAAAAAAAAA"/>
               </a:ext>
             </a:extLst>
           </p:cNvSpPr>
@@ -268,7 +290,6 @@
           <a:bodyPr/>
           <a:lstStyle/>
           <a:p>
-            <a:pPr/>
             <a:r>
               <a:t>Click to edit Master title style</a:t>
             </a:r>
@@ -282,7 +303,7 @@
             <a:spLocks noGrp="1" noChangeArrowheads="1"/>
             <a:extLst>
               <a:ext uri="smNativeData">
-                <pr:smNativeData xmlns:pr="smNativeData" xmlns="smNativeData" val="SMDATA_15_PhJKaRMAAAAlAAAAZAAAAA0AAAAAkAAAAEgAAACQAAAASAAAAAAAAAAAAAAAAAAAAAEAAABQAAAAAAAAAAAA4D8AAAAAAADgPwAAAAAAAOA/AAAAAAAA4D8AAAAAAADgPwAAAAAAAOA/AAAAAAAA4D8AAAAAAADgPwAAAAAAAOA/AAAAAAAA4D8CAAAAjAAAAAAAAAAAAAAAu+DjDP///wgAAAAAAAAAAAAAAAAAAAAAAAAAAAAAAAAAAAAAZAAAAAEAAABAAAAAAAAAAAAAAAAAAAAAAAAAAAAAAAAAAAAAAAAAAAAAAAAAAAAAAAAAAAAAAAAAAAAAAAAAAAAAAAAAAAAAAAAAAAAAAAAAAAAAAAAAAAAAAAAAAAAAFAAAADwAAAAAAAAAAAAAAAAAAAkUAAAAAQAAABQAAAAUAAAAFAAAAAEAAAAAAAAAZAAAAGQAAAAAAAAAZAAAAGQAAAAVAAAAYAAAAAAAAAAAAAAADwAAACADAAAAAAAAAAAAAAEAAACgMgAAVgcAAKr4//8BAAAAf39/AAEAAABkAAAAAAAAABQAAABAHwAAAAAAACYAAAAAAAAAwOD//wAAAAAmAAAAZAAAABYAAABMAAAAAAAAAAAAAAAEAAAAAAAAAAEAAACAgIAKAAAAACgAAAAoAAAAZAAAAGQAAAAAAAAAzMzMAAAAAABQAAAAUAAAAGQAAABkAAAAAAAAABcAAAAUAAAAAAAAAAAAAAD/fwAA/38AAAAAAAAJAAAABAAAAF8AYAAeAAAAaAAAAAAAAAAAAAAAAAAAAAAAAAAAAAAAECcAABAnAAAAAAAAAAAAAAAAAAAAAAAAAAAAAAAAAAAAAAAAAAAAABQAAAAAAAAAwMD/AAAAAABkAAAAMgAAAAAAAABkAAAAAAAAAH9/fwAKAAAAIgAAABgAAAAAAAAAAAAAAAAAAAAAAAAAAAAAAAAAAAAkAAAAJAAAAAAAAAAHAAAAAAAAAAAAAAAAAAAAAAAAAAAAAAAAAAAAf39/ACUAAABYAAAAAAAAAAAAAAAAAAAAAAAAAAAAAAAAAAAAAAAAAAAAAAAAAAAAAAAAAAAAAAA/AAAAAAAAAKCGAQAAAAAAAAAAAAAAAAAMAAAAAQAAAAAAAAAAAAAAAAAAAB8AAABUAAAAAAAABQAAAAEAAAAAAAAAAAAAAAAAAAAAAAAAAAAAAAAAAAAAAAAAAAAAAAJ/f38AAAAAA8zMzADAwP8Af39/AAAAAAAAAAAAAAAAAAAAAAAAAAAAIQAAABgAAAAUAAAAQAsAAOgXAADAPwAAsCIAABAAAAAmAAAACAAAAAGAAAAAAAAA"/>
+                <pr:smNativeData xmlns:mc="http://schemas.openxmlformats.org/markup-compatibility/2006" xmlns:p14="http://schemas.microsoft.com/office/powerpoint/2010/main" xmlns:p15="http://schemas.microsoft.com/office/powerpoint/2012/main" xmlns:pr="smNativeData" xmlns="smNativeData" val="SMDATA_15_PhJKaRMAAAAlAAAAZAAAAA0AAAAAkAAAAEgAAACQAAAASAAAAAAAAAAAAAAAAAAAAAEAAABQAAAAAAAAAAAA4D8AAAAAAADgPwAAAAAAAOA/AAAAAAAA4D8AAAAAAADgPwAAAAAAAOA/AAAAAAAA4D8AAAAAAADgPwAAAAAAAOA/AAAAAAAA4D8CAAAAjAAAAAAAAAAAAAAAu+DjDP///wgAAAAAAAAAAAAAAAAAAAAAAAAAAAAAAAAAAAAAZAAAAAEAAABAAAAAAAAAAAAAAAAAAAAAAAAAAAAAAAAAAAAAAAAAAAAAAAAAAAAAAAAAAAAAAAAAAAAAAAAAAAAAAAAAAAAAAAAAAAAAAAAAAAAAAAAAAAAAAAAAAAAAFAAAADwAAAAAAAAAAAAAAAAAAAkUAAAAAQAAABQAAAAUAAAAFAAAAAEAAAAAAAAAZAAAAGQAAAAAAAAAZAAAAGQAAAAVAAAAYAAAAAAAAAAAAAAADwAAACADAAAAAAAAAAAAAAEAAACgMgAAVgcAAKr4//8BAAAAf39/AAEAAABkAAAAAAAAABQAAABAHwAAAAAAACYAAAAAAAAAwOD//wAAAAAmAAAAZAAAABYAAABMAAAAAAAAAAAAAAAEAAAAAAAAAAEAAACAgIAKAAAAACgAAAAoAAAAZAAAAGQAAAAAAAAAzMzMAAAAAABQAAAAUAAAAGQAAABkAAAAAAAAABcAAAAUAAAAAAAAAAAAAAD/fwAA/38AAAAAAAAJAAAABAAAAF8AYAAeAAAAaAAAAAAAAAAAAAAAAAAAAAAAAAAAAAAAECcAABAnAAAAAAAAAAAAAAAAAAAAAAAAAAAAAAAAAAAAAAAAAAAAABQAAAAAAAAAwMD/AAAAAABkAAAAMgAAAAAAAABkAAAAAAAAAH9/fwAKAAAAIgAAABgAAAAAAAAAAAAAAAAAAAAAAAAAAAAAAAAAAAAkAAAAJAAAAAAAAAAHAAAAAAAAAAAAAAAAAAAAAAAAAAAAAAAAAAAAf39/ACUAAABYAAAAAAAAAAAAAAAAAAAAAAAAAAAAAAAAAAAAAAAAAAAAAAAAAAAAAAAAAAAAAAA/AAAAAAAAAKCGAQAAAAAAAAAAAAAAAAAMAAAAAQAAAAAAAAAAAAAAAAAAAB8AAABUAAAAAAAABQAAAAEAAAAAAAAAAAAAAAAAAAAAAAAAAAAAAAAAAAAAAAAAAAAAAAJ/f38AAAAAA8zMzADAwP8Af39/AAAAAAAAAAAAAAAAAAAAAAAAAAAAIQAAABgAAAAUAAAAQAsAAOgXAADAPwAAsCIAABAAAAAmAAAACAAAAAGAAAAAAAAA"/>
               </a:ext>
             </a:extLst>
           </p:cNvSpPr>
@@ -328,7 +349,6 @@
             </a:lvl9pPr>
           </a:lstStyle>
           <a:p>
-            <a:pPr/>
             <a:r>
               <a:t>Click to edit Master subtitle style</a:t>
             </a:r>
@@ -342,7 +362,7 @@
             <a:spLocks noGrp="1" noChangeArrowheads="1"/>
             <a:extLst>
               <a:ext uri="smNativeData">
-                <pr:smNativeData xmlns:pr="smNativeData" xmlns="smNativeData" val="SMDATA_15_PhJKaRMAAAAlAAAAZAAAAA0AAAAAkAAAAEgAAACQAAAASAAAAAAAAAABAAAAAAAAAAEAAABQAAAAAAAAAAAA4D8AAAAAAADgPwAAAAAAAOA/AAAAAAAA4D8AAAAAAADgPwAAAAAAAOA/AAAAAAAA4D8AAAAAAADgPwAAAAAAAOA/AAAAAAAA4D8CAAAAjAAAAAAAAAAAAAAAu+DjDP///wgAAAAAAAAAAAAAAAAAAAAAAAAAAAAAAAAAAAAAZAAAAAEAAABAAAAAAAAAAAAAAAAAAAAAAAAAAAAAAAAAAAAAAAAAAAAAAAAAAAAAAAAAAAAAAAAAAAAAAAAAAAAAAAAAAAAAAAAAAAAAAAAAAAAAAAAAAAAAAAAAAAAAFAAAADwAAAAAAAAAAAAAAAAAAAkUAAAAAQAAABQAAAAUAAAAFAAAAAEAAAAAAAAAZAAAAGQAAAAAAAAAZAAAAGQAAAAVAAAAYAAAAAAAAAAAAAAADwAAACADAAAAAAAAAAAAAAEAAACgMgAAVgcAAKr4//8BAAAAf39/AAEAAABkAAAAAAAAABQAAABAHwAAAAAAACYAAAAAAAAAwOD//wAAAAAmAAAAZAAAABYAAABMAAAAAAAAAAAAAAAEAAAAAAAAAAEAAACAgIAKAAAAACgAAAAoAAAAZAAAAGQAAAAAAAAAzMzMAAAAAABQAAAAUAAAAGQAAABkAAAAAAAAABcAAAAUAAAAAAAAAAAAAAD/fwAA/38AAAAAAAAJAAAABAAAACyUxw4eAAAAaAAAAAAAAAAAAAAAAAAAAAAAAAAAAAAAECcAABAnAAAAAAAAAAAAAAAAAAAAAAAAAAAAAAAAAAAAAAAAAAAAABQAAAAAAAAAwMD/AAAAAABkAAAAMgAAAAAAAABkAAAAAAAAAH9/fwAKAAAAIgAAABgAAAAAAAAAAAAAAAAAAAAAAAAAAAAAAAAAAAAkAAAAJAAAAAAAAAAHAAAAAAAAAAAAAAAAAAAAAAAAAAAAAAAAAAAAf39/ACUAAABYAAAAAAAAAAAAAAAAAAAAAAAAAAAAAAAAAAAAAAAAAAAAAAAAAAAAAAAAAAAAAAA/AAAAAAAAAKCGAQAAAAAAAAAAAAAAAAAMAAAAAQAAAAAAAAAAAAAAAAAAAB8AAABUAAAAAAAABQAAAAEAAAAAAAAAAAAAAAAAAAAAAAAAAAAAAAAAAAAAAAAAAAAAAAJ/f38AAAAAA8zMzADAwP8Af39/AAAAAAAAAAAAAAAAAAAAAAAAAAAAIQAAABgAAAAUAAAAwAMAABsnAAA/FQAAWSkAABAAAAAmAAAACAAAAAAAAAAAAAAA"/>
+                <pr:smNativeData xmlns:mc="http://schemas.openxmlformats.org/markup-compatibility/2006" xmlns:p14="http://schemas.microsoft.com/office/powerpoint/2010/main" xmlns:p15="http://schemas.microsoft.com/office/powerpoint/2012/main" xmlns:pr="smNativeData" xmlns="smNativeData" val="SMDATA_15_PhJKaRMAAAAlAAAAZAAAAA0AAAAAkAAAAEgAAACQAAAASAAAAAAAAAABAAAAAAAAAAEAAABQAAAAAAAAAAAA4D8AAAAAAADgPwAAAAAAAOA/AAAAAAAA4D8AAAAAAADgPwAAAAAAAOA/AAAAAAAA4D8AAAAAAADgPwAAAAAAAOA/AAAAAAAA4D8CAAAAjAAAAAAAAAAAAAAAu+DjDP///wgAAAAAAAAAAAAAAAAAAAAAAAAAAAAAAAAAAAAAZAAAAAEAAABAAAAAAAAAAAAAAAAAAAAAAAAAAAAAAAAAAAAAAAAAAAAAAAAAAAAAAAAAAAAAAAAAAAAAAAAAAAAAAAAAAAAAAAAAAAAAAAAAAAAAAAAAAAAAAAAAAAAAFAAAADwAAAAAAAAAAAAAAAAAAAkUAAAAAQAAABQAAAAUAAAAFAAAAAEAAAAAAAAAZAAAAGQAAAAAAAAAZAAAAGQAAAAVAAAAYAAAAAAAAAAAAAAADwAAACADAAAAAAAAAAAAAAEAAACgMgAAVgcAAKr4//8BAAAAf39/AAEAAABkAAAAAAAAABQAAABAHwAAAAAAACYAAAAAAAAAwOD//wAAAAAmAAAAZAAAABYAAABMAAAAAAAAAAAAAAAEAAAAAAAAAAEAAACAgIAKAAAAACgAAAAoAAAAZAAAAGQAAAAAAAAAzMzMAAAAAABQAAAAUAAAAGQAAABkAAAAAAAAABcAAAAUAAAAAAAAAAAAAAD/fwAA/38AAAAAAAAJAAAABAAAACyUxw4eAAAAaAAAAAAAAAAAAAAAAAAAAAAAAAAAAAAAECcAABAnAAAAAAAAAAAAAAAAAAAAAAAAAAAAAAAAAAAAAAAAAAAAABQAAAAAAAAAwMD/AAAAAABkAAAAMgAAAAAAAABkAAAAAAAAAH9/fwAKAAAAIgAAABgAAAAAAAAAAAAAAAAAAAAAAAAAAAAAAAAAAAAkAAAAJAAAAAAAAAAHAAAAAAAAAAAAAAAAAAAAAAAAAAAAAAAAAAAAf39/ACUAAABYAAAAAAAAAAAAAAAAAAAAAAAAAAAAAAAAAAAAAAAAAAAAAAAAAAAAAAAAAAAAAAA/AAAAAAAAAKCGAQAAAAAAAAAAAAAAAAAMAAAAAQAAAAAAAAAAAAAAAAAAAB8AAABUAAAAAAAABQAAAAEAAAAAAAAAAAAAAAAAAAAAAAAAAAAAAAAAAAAAAAAAAAAAAAJ/f38AAAAAA8zMzADAwP8Af39/AAAAAAAAAAAAAAAAAAAAAAAAAAAAIQAAABgAAAAUAAAAwAMAABsnAAA/FQAAWSkAABAAAAAmAAAACAAAAAAAAAAAAAAA"/>
               </a:ext>
             </a:extLst>
           </p:cNvSpPr>
@@ -355,10 +375,10 @@
           <a:bodyPr/>
           <a:lstStyle/>
           <a:p>
-            <a:pPr/>
             <a:fld id="{0CA782B9-F7E1-F274-AF1F-0121CC515954}" type="datetime1">
-              <a:t/>
+              <a:t>12/29/2025</a:t>
             </a:fld>
+            <a:endParaRPr/>
           </a:p>
         </p:txBody>
       </p:sp>
@@ -369,7 +389,7 @@
             <a:spLocks noGrp="1" noChangeArrowheads="1"/>
             <a:extLst>
               <a:ext uri="smNativeData">
-                <pr:smNativeData xmlns:pr="smNativeData" xmlns="smNativeData" val="SMDATA_15_PhJKaRMAAAAlAAAAZAAAAA0AAAAAkAAAAEgAAACQAAAASAAAAAAAAAABAAAAAAAAAAEAAABQAAAAAAAAAAAA4D8AAAAAAADgPwAAAAAAAOA/AAAAAAAA4D8AAAAAAADgPwAAAAAAAOA/AAAAAAAA4D8AAAAAAADgPwAAAAAAAOA/AAAAAAAA4D8CAAAAjAAAAAAAAAAAAAAAu+DjDP///wgAAAAAAAAAAAAAAAAAAAAAAAAAAAAAAAAAAAAAZAAAAAEAAABAAAAAAAAAAAAAAAAAAAAAAAAAAAAAAAAAAAAAAAAAAAAAAAAAAAAAAAAAAAAAAAAAAAAAAAAAAAAAAAAAAAAAAAAAAAAAAAAAAAAAAAAAAAAAAAAAAAAAFAAAADwAAAAAAAAAAAAAAAAAAAkUAAAAAQAAABQAAAAUAAAAFAAAAAEAAAAAAAAAZAAAAGQAAAAAAAAAZAAAAGQAAAAVAAAAYAAAAAAAAAAAAAAADwAAACADAAAAAAAAAAAAAAEAAACgMgAAVgcAAKr4//8BAAAAf39/AAEAAABkAAAAAAAAABQAAABAHwAAAAAAACYAAAAAAAAAwOD//wAAAAAmAAAAZAAAABYAAABMAAAAAAAAAAAAAAAEAAAAAAAAAAEAAACAgIAKAAAAACgAAAAoAAAAZAAAAGQAAAAAAAAAzMzMAAAAAABQAAAAUAAAAGQAAABkAAAAAAAAABcAAAAUAAAAAAAAAAAAAAD/fwAA/38AAAAAAAAJAAAABAAAAGxpY2keAAAAaAAAAAAAAAAAAAAAAAAAAAAAAAAAAAAAECcAABAnAAAAAAAAAAAAAAAAAAAAAAAAAAAAAAAAAAAAAAAAAAAAABQAAAAAAAAAwMD/AAAAAABkAAAAMgAAAAAAAABkAAAAAAAAAH9/fwAKAAAAIgAAABgAAAAAAAAAAAAAAAAAAAAAAAAAAAAAAAAAAAAkAAAAJAAAAAAAAAAHAAAAAAAAAAAAAAAAAAAAAAAAAAAAAAAAAAAAf39/ACUAAABYAAAAAAAAAAAAAAAAAAAAAAAAAAAAAAAAAAAAAAAAAAAAAAAAAAAAAAAAAAAAAAA/AAAAAAAAAKCGAQAAAAAAAAAAAAAAAAAMAAAAAQAAAAAAAAAAAAAAAAAAAB8AAABUAAAAAAAABQAAAAEAAAAAAAAAAAAAAAAAAAAAAAAAAAAAAAAAAAAAAAAAAAAAAAJ/f38AAAAAA8zMzADAwP8Af39/AAAAAAAAAAAAAAAAAAAAAAAAAAAAIQAAABgAAAAUAAAAoRkAABsnAABfMQAAWSkAABAAAAAmAAAACAAAAAAAAAAAAAAA"/>
+                <pr:smNativeData xmlns:mc="http://schemas.openxmlformats.org/markup-compatibility/2006" xmlns:p14="http://schemas.microsoft.com/office/powerpoint/2010/main" xmlns:p15="http://schemas.microsoft.com/office/powerpoint/2012/main" xmlns:pr="smNativeData" xmlns="smNativeData" val="SMDATA_15_PhJKaRMAAAAlAAAAZAAAAA0AAAAAkAAAAEgAAACQAAAASAAAAAAAAAABAAAAAAAAAAEAAABQAAAAAAAAAAAA4D8AAAAAAADgPwAAAAAAAOA/AAAAAAAA4D8AAAAAAADgPwAAAAAAAOA/AAAAAAAA4D8AAAAAAADgPwAAAAAAAOA/AAAAAAAA4D8CAAAAjAAAAAAAAAAAAAAAu+DjDP///wgAAAAAAAAAAAAAAAAAAAAAAAAAAAAAAAAAAAAAZAAAAAEAAABAAAAAAAAAAAAAAAAAAAAAAAAAAAAAAAAAAAAAAAAAAAAAAAAAAAAAAAAAAAAAAAAAAAAAAAAAAAAAAAAAAAAAAAAAAAAAAAAAAAAAAAAAAAAAAAAAAAAAFAAAADwAAAAAAAAAAAAAAAAAAAkUAAAAAQAAABQAAAAUAAAAFAAAAAEAAAAAAAAAZAAAAGQAAAAAAAAAZAAAAGQAAAAVAAAAYAAAAAAAAAAAAAAADwAAACADAAAAAAAAAAAAAAEAAACgMgAAVgcAAKr4//8BAAAAf39/AAEAAABkAAAAAAAAABQAAABAHwAAAAAAACYAAAAAAAAAwOD//wAAAAAmAAAAZAAAABYAAABMAAAAAAAAAAAAAAAEAAAAAAAAAAEAAACAgIAKAAAAACgAAAAoAAAAZAAAAGQAAAAAAAAAzMzMAAAAAABQAAAAUAAAAGQAAABkAAAAAAAAABcAAAAUAAAAAAAAAAAAAAD/fwAA/38AAAAAAAAJAAAABAAAAGxpY2keAAAAaAAAAAAAAAAAAAAAAAAAAAAAAAAAAAAAECcAABAnAAAAAAAAAAAAAAAAAAAAAAAAAAAAAAAAAAAAAAAAAAAAABQAAAAAAAAAwMD/AAAAAABkAAAAMgAAAAAAAABkAAAAAAAAAH9/fwAKAAAAIgAAABgAAAAAAAAAAAAAAAAAAAAAAAAAAAAAAAAAAAAkAAAAJAAAAAAAAAAHAAAAAAAAAAAAAAAAAAAAAAAAAAAAAAAAAAAAf39/ACUAAABYAAAAAAAAAAAAAAAAAAAAAAAAAAAAAAAAAAAAAAAAAAAAAAAAAAAAAAAAAAAAAAA/AAAAAAAAAKCGAQAAAAAAAAAAAAAAAAAMAAAAAQAAAAAAAAAAAAAAAAAAAB8AAABUAAAAAAAABQAAAAEAAAAAAAAAAAAAAAAAAAAAAAAAAAAAAAAAAAAAAAAAAAAAAAJ/f38AAAAAA8zMzADAwP8Af39/AAAAAAAAAAAAAAAAAAAAAAAAAAAAIQAAABgAAAAUAAAAoRkAABsnAABfMQAAWSkAABAAAAAmAAAACAAAAAAAAAAAAAAA"/>
               </a:ext>
             </a:extLst>
           </p:cNvSpPr>
@@ -382,7 +402,7 @@
           <a:bodyPr/>
           <a:lstStyle/>
           <a:p>
-            <a:pPr/>
+            <a:endParaRPr/>
           </a:p>
         </p:txBody>
       </p:sp>
@@ -393,7 +413,7 @@
             <a:spLocks noGrp="1" noChangeArrowheads="1"/>
             <a:extLst>
               <a:ext uri="smNativeData">
-                <pr:smNativeData xmlns:pr="smNativeData" xmlns="smNativeData" val="SMDATA_15_PhJKaRMAAAAlAAAAZAAAAA0AAAAAkAAAAEgAAACQAAAASAAAAAAAAAABAAAAAAAAAAEAAABQAAAAAAAAAAAA4D8AAAAAAADgPwAAAAAAAOA/AAAAAAAA4D8AAAAAAADgPwAAAAAAAOA/AAAAAAAA4D8AAAAAAADgPwAAAAAAAOA/AAAAAAAA4D8CAAAAjAAAAAAAAAAAAAAAu+DjDP///wgAAAAAAAAAAAAAAAAAAAAAAAAAAAAAAAAAAAAAZAAAAAEAAABAAAAAAAAAAAAAAAAAAAAAAAAAAAAAAAAAAAAAAAAAAAAAAAAAAAAAAAAAAAAAAAAAAAAAAAAAAAAAAAAAAAAAAAAAAAAAAAAAAAAAAAAAAAAAAAAAAAAAFAAAADwAAAAAAAAAAAAAAAAAAAkUAAAAAQAAABQAAAAUAAAAFAAAAAEAAAAAAAAAZAAAAGQAAAAAAAAAZAAAAGQAAAAVAAAAYAAAAAAAAAAAAAAADwAAACADAAAAAAAAAAAAAAEAAACgMgAAVgcAAKr4//8BAAAAf39/AAEAAABkAAAAAAAAABQAAABAHwAAAAAAACYAAAAAAAAAwOD//wAAAAAmAAAAZAAAABYAAABMAAAAAAAAAAAAAAAEAAAAAAAAAAEAAACAgIAKAAAAACgAAAAoAAAAZAAAAGQAAAAAAAAAzMzMAAAAAABQAAAAUAAAAGQAAABkAAAAAAAAABcAAAAUAAAAAAAAAAAAAAD/fwAA/38AAAAAAAAJAAAABAAAAF8AYAAeAAAAaAAAAAAAAAAAAAAAAAAAAAAAAAAAAAAAECcAABAnAAAAAAAAAAAAAAAAAAAAAAAAAAAAAAAAAAAAAAAAAAAAABQAAAAAAAAAwMD/AAAAAABkAAAAMgAAAAAAAABkAAAAAAAAAH9/fwAKAAAAIgAAABgAAAAAAAAAAAAAAAAAAAAAAAAAAAAAAAAAAAAkAAAAJAAAAAAAAAAHAAAAAAAAAAAAAAAAAAAAAAAAAAAAAAAAAAAAf39/ACUAAABYAAAAAAAAAAAAAAAAAAAAAAAAAAAAAAAAAAAAAAAAAAAAAAAAAAAAAAAAAAAAAAA/AAAAAAAAAKCGAQAAAAAAAAAAAAAAAAAMAAAAAQAAAAAAAAAAAAAAAAAAAB8AAABUAAAAAAAABQAAAAEAAAAAAAAAAAAAAAAAAAAAAAAAAAAAAAAAAAAAAAAAAAAAAAJ/f38AAAAAA8zMzADAwP8Af39/AAAAAAAAAAAAAAAAAAAAAAAAAAAAIQAAABgAAAAUAAAAwTUAABsnAABARwAAWSkAABAAAAAmAAAACAAAAAAAAAAAAAAA"/>
+                <pr:smNativeData xmlns:mc="http://schemas.openxmlformats.org/markup-compatibility/2006" xmlns:p14="http://schemas.microsoft.com/office/powerpoint/2010/main" xmlns:p15="http://schemas.microsoft.com/office/powerpoint/2012/main" xmlns:pr="smNativeData" xmlns="smNativeData" val="SMDATA_15_PhJKaRMAAAAlAAAAZAAAAA0AAAAAkAAAAEgAAACQAAAASAAAAAAAAAABAAAAAAAAAAEAAABQAAAAAAAAAAAA4D8AAAAAAADgPwAAAAAAAOA/AAAAAAAA4D8AAAAAAADgPwAAAAAAAOA/AAAAAAAA4D8AAAAAAADgPwAAAAAAAOA/AAAAAAAA4D8CAAAAjAAAAAAAAAAAAAAAu+DjDP///wgAAAAAAAAAAAAAAAAAAAAAAAAAAAAAAAAAAAAAZAAAAAEAAABAAAAAAAAAAAAAAAAAAAAAAAAAAAAAAAAAAAAAAAAAAAAAAAAAAAAAAAAAAAAAAAAAAAAAAAAAAAAAAAAAAAAAAAAAAAAAAAAAAAAAAAAAAAAAAAAAAAAAFAAAADwAAAAAAAAAAAAAAAAAAAkUAAAAAQAAABQAAAAUAAAAFAAAAAEAAAAAAAAAZAAAAGQAAAAAAAAAZAAAAGQAAAAVAAAAYAAAAAAAAAAAAAAADwAAACADAAAAAAAAAAAAAAEAAACgMgAAVgcAAKr4//8BAAAAf39/AAEAAABkAAAAAAAAABQAAABAHwAAAAAAACYAAAAAAAAAwOD//wAAAAAmAAAAZAAAABYAAABMAAAAAAAAAAAAAAAEAAAAAAAAAAEAAACAgIAKAAAAACgAAAAoAAAAZAAAAGQAAAAAAAAAzMzMAAAAAABQAAAAUAAAAGQAAABkAAAAAAAAABcAAAAUAAAAAAAAAAAAAAD/fwAA/38AAAAAAAAJAAAABAAAAF8AYAAeAAAAaAAAAAAAAAAAAAAAAAAAAAAAAAAAAAAAECcAABAnAAAAAAAAAAAAAAAAAAAAAAAAAAAAAAAAAAAAAAAAAAAAABQAAAAAAAAAwMD/AAAAAABkAAAAMgAAAAAAAABkAAAAAAAAAH9/fwAKAAAAIgAAABgAAAAAAAAAAAAAAAAAAAAAAAAAAAAAAAAAAAAkAAAAJAAAAAAAAAAHAAAAAAAAAAAAAAAAAAAAAAAAAAAAAAAAAAAAf39/ACUAAABYAAAAAAAAAAAAAAAAAAAAAAAAAAAAAAAAAAAAAAAAAAAAAAAAAAAAAAAAAAAAAAA/AAAAAAAAAKCGAQAAAAAAAAAAAAAAAAAMAAAAAQAAAAAAAAAAAAAAAAAAAB8AAABUAAAAAAAABQAAAAEAAAAAAAAAAAAAAAAAAAAAAAAAAAAAAAAAAAAAAAAAAAAAAAJ/f38AAAAAA8zMzADAwP8Af39/AAAAAAAAAAAAAAAAAAAAAAAAAAAAIQAAABgAAAAUAAAAwTUAABsnAABARwAAWSkAABAAAAAmAAAACAAAAAAAAAAAAAAA"/>
               </a:ext>
             </a:extLst>
           </p:cNvSpPr>
@@ -406,10 +426,10 @@
           <a:bodyPr/>
           <a:lstStyle/>
           <a:p>
-            <a:pPr/>
             <a:fld id="{0CA7D215-5BE1-F224-AF1F-AD719C5159F8}" type="slidenum">
-              <a:t/>
+              <a:t>‹#›</a:t>
             </a:fld>
+            <a:endParaRPr/>
           </a:p>
         </p:txBody>
       </p:sp>
@@ -423,7 +443,7 @@
 </file>
 
 <file path=ppt/slideLayouts/slideLayout10.xml><?xml version="1.0" encoding="utf-8"?>
-<p:sldLayout xmlns:p="http://schemas.openxmlformats.org/presentationml/2006/main" xmlns:mc="http://schemas.openxmlformats.org/markup-compatibility/2006" xmlns:p14="http://schemas.microsoft.com/office/powerpoint/2010/main" xmlns:p15="http://schemas.microsoft.com/office/powerpoint/2012/main" xmlns:r="http://schemas.openxmlformats.org/officeDocument/2006/relationships" xmlns:a="http://schemas.openxmlformats.org/drawingml/2006/main" type="vertTx">
+<p:sldLayout xmlns:a="http://schemas.openxmlformats.org/drawingml/2006/main" xmlns:r="http://schemas.openxmlformats.org/officeDocument/2006/relationships" xmlns:p="http://schemas.openxmlformats.org/presentationml/2006/main" type="vertTx">
   <p:cSld name="Title and vertical text">
     <p:spTree>
       <p:nvGrpSpPr>
@@ -446,7 +466,7 @@
             <a:spLocks noGrp="1" noChangeArrowheads="1"/>
             <a:extLst>
               <a:ext uri="smNativeData">
-                <pr:smNativeData xmlns:pr="smNativeData" xmlns="smNativeData" val="SMDATA_15_PhJKaRMAAAAlAAAAZAAAAA0AAAAAkAAAAEgAAACQAAAASAAAAAAAAAABAAAAAAAAAAEAAABQAAAAAAAAAAAA4D8AAAAAAADgPwAAAAAAAOA/AAAAAAAA4D8AAAAAAADgPwAAAAAAAOA/AAAAAAAA4D8AAAAAAADgPwAAAAAAAOA/AAAAAAAA4D8CAAAAjAAAAAAAAAAAAAAAu+DjDP///wgAAAAAAAAAAAAAAAAAAAAAAAAAAAAAAAAAAAAAZAAAAAEAAABAAAAAAAAAAAAAAAAAAAAAAAAAAAAAAAAAAAAAAAAAAAAAAAAAAAAAAAAAAAAAAAAAAAAAAAAAAAAAAAAAAAAAAAAAAAAAAAAAAAAAAAAAAAAAAAAAAAAAFAAAADwAAAAAAAAAAAAAAAAAAAkUAAAAAQAAABQAAAAUAAAAFAAAAAEAAAAAAAAAZAAAAGQAAAAAAAAAZAAAAGQAAAAVAAAAYAAAAAAAAAAAAAAADwAAACADAAAAAAAAAAAAAAEAAACgMgAAVgcAAKr4//8BAAAAf39/AAEAAABkAAAAAAAAABQAAABAHwAAAAAAACYAAAAAAAAAwOD//wAAAAAmAAAAZAAAABYAAABMAAAAAAAAAAAAAAAEAAAAAAAAAAEAAACAgIAKAAAAACgAAAAoAAAAZAAAAGQAAAAAAAAAzMzMAAAAAABQAAAAUAAAAGQAAABkAAAAAAAAABcAAAAUAAAAAAAAAAAAAAD/fwAA/38AAAAAAAAJAAAABAAAAAAAAAAeAAAAaAAAAAAAAAAAAAAAAAAAAAAAAAAAAAAAECcAABAnAAAAAAAAAAAAAAAAAAAAAAAAAAAAAAAAAAAAAAAAAAAAABQAAAAAAAAAwMD/AAAAAABkAAAAMgAAAAAAAABkAAAAAAAAAH9/fwAKAAAAIgAAABgAAAAAAAAAAAAAAAAAAAAAAAAAAAAAAAAAAAAkAAAAJAAAAAAAAAAHAAAAAAAAAAAAAAAAAAAAAAAAAAAAAAAAAAAAf39/ACUAAABYAAAAAAAAAAAAAAAAAAAAAAAAAAAAAAAAAAAAAAAAAAAAAAAAAAAAAAAAAAAAAAA/AAAAAAAAAKCGAQAAAAAAAAAAAAAAAAAMAAAAAQAAAAAAAAAAAAAAAAAAAB8AAABUAAAAAAAABQAAAAEAAAAAAAAAAAAAAAAAAAAAAAAAAAAAAAAAAAAAAAAAAAAAAAJ/f38AAAAAA8zMzADAwP8Af39/AAAAAAAAAAAAAAAAAAAAAAAAAAAAIQAAABgAAAAUAAAAwAMAALABAABARwAAuAgAABAAAAAmAAAACAAAAAAAAAAAAAAA"/>
+                <pr:smNativeData xmlns:mc="http://schemas.openxmlformats.org/markup-compatibility/2006" xmlns:p14="http://schemas.microsoft.com/office/powerpoint/2010/main" xmlns:p15="http://schemas.microsoft.com/office/powerpoint/2012/main" xmlns:pr="smNativeData" xmlns="smNativeData" val="SMDATA_15_PhJKaRMAAAAlAAAAZAAAAA0AAAAAkAAAAEgAAACQAAAASAAAAAAAAAABAAAAAAAAAAEAAABQAAAAAAAAAAAA4D8AAAAAAADgPwAAAAAAAOA/AAAAAAAA4D8AAAAAAADgPwAAAAAAAOA/AAAAAAAA4D8AAAAAAADgPwAAAAAAAOA/AAAAAAAA4D8CAAAAjAAAAAAAAAAAAAAAu+DjDP///wgAAAAAAAAAAAAAAAAAAAAAAAAAAAAAAAAAAAAAZAAAAAEAAABAAAAAAAAAAAAAAAAAAAAAAAAAAAAAAAAAAAAAAAAAAAAAAAAAAAAAAAAAAAAAAAAAAAAAAAAAAAAAAAAAAAAAAAAAAAAAAAAAAAAAAAAAAAAAAAAAAAAAFAAAADwAAAAAAAAAAAAAAAAAAAkUAAAAAQAAABQAAAAUAAAAFAAAAAEAAAAAAAAAZAAAAGQAAAAAAAAAZAAAAGQAAAAVAAAAYAAAAAAAAAAAAAAADwAAACADAAAAAAAAAAAAAAEAAACgMgAAVgcAAKr4//8BAAAAf39/AAEAAABkAAAAAAAAABQAAABAHwAAAAAAACYAAAAAAAAAwOD//wAAAAAmAAAAZAAAABYAAABMAAAAAAAAAAAAAAAEAAAAAAAAAAEAAACAgIAKAAAAACgAAAAoAAAAZAAAAGQAAAAAAAAAzMzMAAAAAABQAAAAUAAAAGQAAABkAAAAAAAAABcAAAAUAAAAAAAAAAAAAAD/fwAA/38AAAAAAAAJAAAABAAAAAAAAAAeAAAAaAAAAAAAAAAAAAAAAAAAAAAAAAAAAAAAECcAABAnAAAAAAAAAAAAAAAAAAAAAAAAAAAAAAAAAAAAAAAAAAAAABQAAAAAAAAAwMD/AAAAAABkAAAAMgAAAAAAAABkAAAAAAAAAH9/fwAKAAAAIgAAABgAAAAAAAAAAAAAAAAAAAAAAAAAAAAAAAAAAAAkAAAAJAAAAAAAAAAHAAAAAAAAAAAAAAAAAAAAAAAAAAAAAAAAAAAAf39/ACUAAABYAAAAAAAAAAAAAAAAAAAAAAAAAAAAAAAAAAAAAAAAAAAAAAAAAAAAAAAAAAAAAAA/AAAAAAAAAKCGAQAAAAAAAAAAAAAAAAAMAAAAAQAAAAAAAAAAAAAAAAAAAB8AAABUAAAAAAAABQAAAAEAAAAAAAAAAAAAAAAAAAAAAAAAAAAAAAAAAAAAAAAAAAAAAAJ/f38AAAAAA8zMzADAwP8Af39/AAAAAAAAAAAAAAAAAAAAAAAAAAAAIQAAABgAAAAUAAAAwAMAALABAABARwAAuAgAABAAAAAmAAAACAAAAAAAAAAAAAAA"/>
               </a:ext>
             </a:extLst>
           </p:cNvSpPr>
@@ -459,7 +479,6 @@
           <a:bodyPr/>
           <a:lstStyle/>
           <a:p>
-            <a:pPr/>
             <a:r>
               <a:t>Click to edit Master title style</a:t>
             </a:r>
@@ -473,7 +492,7 @@
             <a:spLocks noGrp="1" noChangeArrowheads="1"/>
             <a:extLst>
               <a:ext uri="smNativeData">
-                <pr:smNativeData xmlns:pr="smNativeData" xmlns="smNativeData" val="SMDATA_15_PhJKaRMAAAAlAAAAZAAAAA0AAAAAkAAAAEgAAACQAAAASAAAAAAAAAAAAAAAAQAAAAEAAABQAAAAAAAAAAAA4D8AAAAAAADgPwAAAAAAAOA/AAAAAAAA4D8AAAAAAADgPwAAAAAAAOA/AAAAAAAA4D8AAAAAAADgPwAAAAAAAOA/AAAAAAAA4D8CAAAAjAAAAAAAAAAAAAAAu+DjDP///wgAAAAAAAAAAAAAAAAAAAAAAAAAAAAAAAAAAAAAZAAAAAEAAABAAAAAAAAAAAAAAAAAAAAAAAAAAAAAAAAAAAAAAAAAAAAAAAAAAAAAAAAAAAAAAAAAAAAAAAAAAAAAAAAAAAAAAAAAAAAAAAAAAAAAAAAAAAAAAAAAAAAAFAAAADwAAAAAAAAAAAAAAAAAAAkUAAAAAQAAABQAAAAUAAAAFAAAAAEAAAAAAAAAZAAAAGQAAAAAAAAAZAAAAGQAAAAVAAAAYAAAAAAAAAAAAAAADwAAACADAAAAAAAAAAAAAAEAAACgMgAAVgcAAKr4//8BAAAAf39/AAEAAABkAAAAAAAAABQAAABAHwAAAAAAACYAAAAAAAAAwOD//wAAAAAmAAAAZAAAABYAAABMAAAAAAAAAAAAAAAEAAAAAAAAAAEAAACAgIAKAAAAACgAAAAoAAAAZAAAAGQAAAAAAAAAzMzMAAAAAABQAAAAUAAAAGQAAABkAAAAAAAAABcAAAAUAAAAAAAAAAAAAAD/fwAA/38AAAAAAAAJAAAABAAAAAAAAAAeAAAAaAAAAAAAAAAAAAAAAAAAAAAAAAAAAAAAECcAABAnAAAAAAAAAAAAAAAAAAAAAAAAAAAAAAAAAAAAAAAAAAAAABQAAAAAAAAAwMD/AAAAAABkAAAAMgAAAAAAAABkAAAAAAAAAH9/fwAKAAAAIgAAABgAAAAAAAAAAAAAAAAAAAAAAAAAAAAAAAAAAAAkAAAAJAAAAAAAAAAHAAAAAAAAAAAAAAAAAAAAAAAAAAAAAAAAAAAAf39/ACUAAABYAAAAAAAAAAAAAAAAAAAAAAAAAAAAAAAAAAAAAAAAAAAAAAAAAAAAAAAAAAAAAAA/AAAAAAAAAKCGAQAAAAAAAAAAAAAAAAAMAAAAAQAAAAAAAAAAAAAAAAAAAB8AAABUAAAAAAAABQAAAAEAAAAAAAAAAAAAAAAAAAAAAAAAAAAAAAAAAAAAAAAAAAAAAAJ/f38AAAAAA8zMzADAwP8Af39/AAAAAAAAAAAAAAAAAAAAAAAAAAAAIQAAABgAAAAUAAAAwAMAANgJAABARwAAsCUAABAAAAAmAAAACAAAAAIQAAAAAAAA"/>
+                <pr:smNativeData xmlns:mc="http://schemas.openxmlformats.org/markup-compatibility/2006" xmlns:p14="http://schemas.microsoft.com/office/powerpoint/2010/main" xmlns:p15="http://schemas.microsoft.com/office/powerpoint/2012/main" xmlns:pr="smNativeData" xmlns="smNativeData" val="SMDATA_15_PhJKaRMAAAAlAAAAZAAAAA0AAAAAkAAAAEgAAACQAAAASAAAAAAAAAAAAAAAAQAAAAEAAABQAAAAAAAAAAAA4D8AAAAAAADgPwAAAAAAAOA/AAAAAAAA4D8AAAAAAADgPwAAAAAAAOA/AAAAAAAA4D8AAAAAAADgPwAAAAAAAOA/AAAAAAAA4D8CAAAAjAAAAAAAAAAAAAAAu+DjDP///wgAAAAAAAAAAAAAAAAAAAAAAAAAAAAAAAAAAAAAZAAAAAEAAABAAAAAAAAAAAAAAAAAAAAAAAAAAAAAAAAAAAAAAAAAAAAAAAAAAAAAAAAAAAAAAAAAAAAAAAAAAAAAAAAAAAAAAAAAAAAAAAAAAAAAAAAAAAAAAAAAAAAAFAAAADwAAAAAAAAAAAAAAAAAAAkUAAAAAQAAABQAAAAUAAAAFAAAAAEAAAAAAAAAZAAAAGQAAAAAAAAAZAAAAGQAAAAVAAAAYAAAAAAAAAAAAAAADwAAACADAAAAAAAAAAAAAAEAAACgMgAAVgcAAKr4//8BAAAAf39/AAEAAABkAAAAAAAAABQAAABAHwAAAAAAACYAAAAAAAAAwOD//wAAAAAmAAAAZAAAABYAAABMAAAAAAAAAAAAAAAEAAAAAAAAAAEAAACAgIAKAAAAACgAAAAoAAAAZAAAAGQAAAAAAAAAzMzMAAAAAABQAAAAUAAAAGQAAABkAAAAAAAAABcAAAAUAAAAAAAAAAAAAAD/fwAA/38AAAAAAAAJAAAABAAAAAAAAAAeAAAAaAAAAAAAAAAAAAAAAAAAAAAAAAAAAAAAECcAABAnAAAAAAAAAAAAAAAAAAAAAAAAAAAAAAAAAAAAAAAAAAAAABQAAAAAAAAAwMD/AAAAAABkAAAAMgAAAAAAAABkAAAAAAAAAH9/fwAKAAAAIgAAABgAAAAAAAAAAAAAAAAAAAAAAAAAAAAAAAAAAAAkAAAAJAAAAAAAAAAHAAAAAAAAAAAAAAAAAAAAAAAAAAAAAAAAAAAAf39/ACUAAABYAAAAAAAAAAAAAAAAAAAAAAAAAAAAAAAAAAAAAAAAAAAAAAAAAAAAAAAAAAAAAAA/AAAAAAAAAKCGAQAAAAAAAAAAAAAAAAAMAAAAAQAAAAAAAAAAAAAAAAAAAB8AAABUAAAAAAAABQAAAAEAAAAAAAAAAAAAAAAAAAAAAAAAAAAAAAAAAAAAAAAAAAAAAAJ/f38AAAAAA8zMzADAwP8Af39/AAAAAAAAAAAAAAAAAAAAAAAAAAAAIQAAABgAAAAUAAAAwAMAANgJAABARwAAsCUAABAAAAAmAAAACAAAAAIQAAAAAAAA"/>
               </a:ext>
             </a:extLst>
           </p:cNvSpPr>
@@ -490,7 +509,6 @@
           </a:bodyPr>
           <a:lstStyle/>
           <a:p>
-            <a:pPr/>
             <a:r>
               <a:t>Click to edit Master text styles</a:t>
             </a:r>
@@ -528,7 +546,7 @@
             <a:spLocks noGrp="1" noChangeArrowheads="1"/>
             <a:extLst>
               <a:ext uri="smNativeData">
-                <pr:smNativeData xmlns:pr="smNativeData" xmlns="smNativeData" val="SMDATA_15_PhJKaRMAAAAlAAAAZAAAAA0AAAAAkAAAAEgAAACQAAAASAAAAAAAAAABAAAAAAAAAAEAAABQAAAAAAAAAAAA4D8AAAAAAADgPwAAAAAAAOA/AAAAAAAA4D8AAAAAAADgPwAAAAAAAOA/AAAAAAAA4D8AAAAAAADgPwAAAAAAAOA/AAAAAAAA4D8CAAAAjAAAAAAAAAAAAAAAu+DjDP///wgAAAAAAAAAAAAAAAAAAAAAAAAAAAAAAAAAAAAAZAAAAAEAAABAAAAAAAAAAAAAAAAAAAAAAAAAAAAAAAAAAAAAAAAAAAAAAAAAAAAAAAAAAAAAAAAAAAAAAAAAAAAAAAAAAAAAAAAAAAAAAAAAAAAAAAAAAAAAAAAAAAAAFAAAADwAAAAAAAAAAAAAAAAAAAkUAAAAAQAAABQAAAAUAAAAFAAAAAEAAAAAAAAAZAAAAGQAAAAAAAAAZAAAAGQAAAAVAAAAYAAAAAAAAAAAAAAADwAAACADAAAAAAAAAAAAAAEAAACgMgAAVgcAAKr4//8BAAAAf39/AAEAAABkAAAAAAAAABQAAABAHwAAAAAAACYAAAAAAAAAwOD//wAAAAAmAAAAZAAAABYAAABMAAAAAAAAAAAAAAAEAAAAAAAAAAEAAACAgIAKAAAAACgAAAAoAAAAZAAAAGQAAAAAAAAAzMzMAAAAAABQAAAAUAAAAGQAAABkAAAAAAAAABcAAAAUAAAAAAAAAAAAAAD/fwAA/38AAAAAAAAJAAAABAAAAAAAAAAeAAAAaAAAAAAAAAAAAAAAAAAAAAAAAAAAAAAAECcAABAnAAAAAAAAAAAAAAAAAAAAAAAAAAAAAAAAAAAAAAAAAAAAABQAAAAAAAAAwMD/AAAAAABkAAAAMgAAAAAAAABkAAAAAAAAAH9/fwAKAAAAIgAAABgAAAAAAAAAAAAAAAAAAAAAAAAAAAAAAAAAAAAkAAAAJAAAAAAAAAAHAAAAAAAAAAAAAAAAAAAAAAAAAAAAAAAAAAAAf39/ACUAAABYAAAAAAAAAAAAAAAAAAAAAAAAAAAAAAAAAAAAAAAAAAAAAAAAAAAAAAAAAAAAAAA/AAAAAAAAAKCGAQAAAAAAAAAAAAAAAAAMAAAAAQAAAAAAAAAAAAAAAAAAAB8AAABUAAAAAAAABQAAAAEAAAAAAAAAAAAAAAAAAAAAAAAAAAAAAAAAAAAAAAAAAAAAAAJ/f38AAAAAA8zMzADAwP8Af39/AAAAAAAAAAAAAAAAAAAAAAAAAAAAIQAAABgAAAAUAAAAwAMAABsnAAA/FQAAWSkAABAAAAAmAAAACAAAAAAAAAAAAAAA"/>
+                <pr:smNativeData xmlns:mc="http://schemas.openxmlformats.org/markup-compatibility/2006" xmlns:p14="http://schemas.microsoft.com/office/powerpoint/2010/main" xmlns:p15="http://schemas.microsoft.com/office/powerpoint/2012/main" xmlns:pr="smNativeData" xmlns="smNativeData" val="SMDATA_15_PhJKaRMAAAAlAAAAZAAAAA0AAAAAkAAAAEgAAACQAAAASAAAAAAAAAABAAAAAAAAAAEAAABQAAAAAAAAAAAA4D8AAAAAAADgPwAAAAAAAOA/AAAAAAAA4D8AAAAAAADgPwAAAAAAAOA/AAAAAAAA4D8AAAAAAADgPwAAAAAAAOA/AAAAAAAA4D8CAAAAjAAAAAAAAAAAAAAAu+DjDP///wgAAAAAAAAAAAAAAAAAAAAAAAAAAAAAAAAAAAAAZAAAAAEAAABAAAAAAAAAAAAAAAAAAAAAAAAAAAAAAAAAAAAAAAAAAAAAAAAAAAAAAAAAAAAAAAAAAAAAAAAAAAAAAAAAAAAAAAAAAAAAAAAAAAAAAAAAAAAAAAAAAAAAFAAAADwAAAAAAAAAAAAAAAAAAAkUAAAAAQAAABQAAAAUAAAAFAAAAAEAAAAAAAAAZAAAAGQAAAAAAAAAZAAAAGQAAAAVAAAAYAAAAAAAAAAAAAAADwAAACADAAAAAAAAAAAAAAEAAACgMgAAVgcAAKr4//8BAAAAf39/AAEAAABkAAAAAAAAABQAAABAHwAAAAAAACYAAAAAAAAAwOD//wAAAAAmAAAAZAAAABYAAABMAAAAAAAAAAAAAAAEAAAAAAAAAAEAAACAgIAKAAAAACgAAAAoAAAAZAAAAGQAAAAAAAAAzMzMAAAAAABQAAAAUAAAAGQAAABkAAAAAAAAABcAAAAUAAAAAAAAAAAAAAD/fwAA/38AAAAAAAAJAAAABAAAAAAAAAAeAAAAaAAAAAAAAAAAAAAAAAAAAAAAAAAAAAAAECcAABAnAAAAAAAAAAAAAAAAAAAAAAAAAAAAAAAAAAAAAAAAAAAAABQAAAAAAAAAwMD/AAAAAABkAAAAMgAAAAAAAABkAAAAAAAAAH9/fwAKAAAAIgAAABgAAAAAAAAAAAAAAAAAAAAAAAAAAAAAAAAAAAAkAAAAJAAAAAAAAAAHAAAAAAAAAAAAAAAAAAAAAAAAAAAAAAAAAAAAf39/ACUAAABYAAAAAAAAAAAAAAAAAAAAAAAAAAAAAAAAAAAAAAAAAAAAAAAAAAAAAAAAAAAAAAA/AAAAAAAAAKCGAQAAAAAAAAAAAAAAAAAMAAAAAQAAAAAAAAAAAAAAAAAAAB8AAABUAAAAAAAABQAAAAEAAAAAAAAAAAAAAAAAAAAAAAAAAAAAAAAAAAAAAAAAAAAAAAJ/f38AAAAAA8zMzADAwP8Af39/AAAAAAAAAAAAAAAAAAAAAAAAAAAAIQAAABgAAAAUAAAAwAMAABsnAAA/FQAAWSkAABAAAAAmAAAACAAAAAAAAAAAAAAA"/>
               </a:ext>
             </a:extLst>
           </p:cNvSpPr>
@@ -541,10 +559,10 @@
           <a:bodyPr/>
           <a:lstStyle/>
           <a:p>
-            <a:pPr/>
             <a:fld id="{0CA7B38B-C5E1-F245-AF1F-3310FD515966}" type="datetime1">
-              <a:t>12/16/2025</a:t>
+              <a:t>12/29/2025</a:t>
             </a:fld>
+            <a:endParaRPr/>
           </a:p>
         </p:txBody>
       </p:sp>
@@ -555,7 +573,7 @@
             <a:spLocks noGrp="1" noChangeArrowheads="1"/>
             <a:extLst>
               <a:ext uri="smNativeData">
-                <pr:smNativeData xmlns:pr="smNativeData" xmlns="smNativeData" val="SMDATA_15_PhJKaRMAAAAlAAAAZAAAAA0AAAAAkAAAAEgAAACQAAAASAAAAAAAAAABAAAAAAAAAAEAAABQAAAAAAAAAAAA4D8AAAAAAADgPwAAAAAAAOA/AAAAAAAA4D8AAAAAAADgPwAAAAAAAOA/AAAAAAAA4D8AAAAAAADgPwAAAAAAAOA/AAAAAAAA4D8CAAAAjAAAAAAAAAAAAAAAu+DjDP///wgAAAAAAAAAAAAAAAAAAAAAAAAAAAAAAAAAAAAAZAAAAAEAAABAAAAAAAAAAAAAAAAAAAAAAAAAAAAAAAAAAAAAAAAAAAAAAAAAAAAAAAAAAAAAAAAAAAAAAAAAAAAAAAAAAAAAAAAAAAAAAAAAAAAAAAAAAAAAAAAAAAAAFAAAADwAAAAAAAAAAAAAAAAAAAkUAAAAAQAAABQAAAAUAAAAFAAAAAEAAAAAAAAAZAAAAGQAAAAAAAAAZAAAAGQAAAAVAAAAYAAAAAAAAAAAAAAADwAAACADAAAAAAAAAAAAAAEAAACgMgAAVgcAAKr4//8BAAAAf39/AAEAAABkAAAAAAAAABQAAABAHwAAAAAAACYAAAAAAAAAwOD//wAAAAAmAAAAZAAAABYAAABMAAAAAAAAAAAAAAAEAAAAAAAAAAEAAACAgIAKAAAAACgAAAAoAAAAZAAAAGQAAAAAAAAAzMzMAAAAAABQAAAAUAAAAGQAAABkAAAAAAAAABcAAAAUAAAAAAAAAAAAAAD/fwAA/38AAAAAAAAJAAAABAAAAAAAAAAeAAAAaAAAAAAAAAAAAAAAAAAAAAAAAAAAAAAAECcAABAnAAAAAAAAAAAAAAAAAAAAAAAAAAAAAAAAAAAAAAAAAAAAABQAAAAAAAAAwMD/AAAAAABkAAAAMgAAAAAAAABkAAAAAAAAAH9/fwAKAAAAIgAAABgAAAAAAAAAAAAAAAAAAAAAAAAAAAAAAAAAAAAkAAAAJAAAAAAAAAAHAAAAAAAAAAAAAAAAAAAAAAAAAAAAAAAAAAAAf39/ACUAAABYAAAAAAAAAAAAAAAAAAAAAAAAAAAAAAAAAAAAAAAAAAAAAAAAAAAAAAAAAAAAAAA/AAAAAAAAAKCGAQAAAAAAAAAAAAAAAAAMAAAAAQAAAAAAAAAAAAAAAAAAAB8AAABUAAAAAAAABQAAAAEAAAAAAAAAAAAAAAAAAAAAAAAAAAAAAAAAAAAAAAAAAAAAAAJ/f38AAAAAA8zMzADAwP8Af39/AAAAAAAAAAAAAAAAAAAAAAAAAAAAIQAAABgAAAAUAAAAoRkAABsnAABfMQAAWSkAABAAAAAmAAAACAAAAAAAAAAAAAAA"/>
+                <pr:smNativeData xmlns:mc="http://schemas.openxmlformats.org/markup-compatibility/2006" xmlns:p14="http://schemas.microsoft.com/office/powerpoint/2010/main" xmlns:p15="http://schemas.microsoft.com/office/powerpoint/2012/main" xmlns:pr="smNativeData" xmlns="smNativeData" val="SMDATA_15_PhJKaRMAAAAlAAAAZAAAAA0AAAAAkAAAAEgAAACQAAAASAAAAAAAAAABAAAAAAAAAAEAAABQAAAAAAAAAAAA4D8AAAAAAADgPwAAAAAAAOA/AAAAAAAA4D8AAAAAAADgPwAAAAAAAOA/AAAAAAAA4D8AAAAAAADgPwAAAAAAAOA/AAAAAAAA4D8CAAAAjAAAAAAAAAAAAAAAu+DjDP///wgAAAAAAAAAAAAAAAAAAAAAAAAAAAAAAAAAAAAAZAAAAAEAAABAAAAAAAAAAAAAAAAAAAAAAAAAAAAAAAAAAAAAAAAAAAAAAAAAAAAAAAAAAAAAAAAAAAAAAAAAAAAAAAAAAAAAAAAAAAAAAAAAAAAAAAAAAAAAAAAAAAAAFAAAADwAAAAAAAAAAAAAAAAAAAkUAAAAAQAAABQAAAAUAAAAFAAAAAEAAAAAAAAAZAAAAGQAAAAAAAAAZAAAAGQAAAAVAAAAYAAAAAAAAAAAAAAADwAAACADAAAAAAAAAAAAAAEAAACgMgAAVgcAAKr4//8BAAAAf39/AAEAAABkAAAAAAAAABQAAABAHwAAAAAAACYAAAAAAAAAwOD//wAAAAAmAAAAZAAAABYAAABMAAAAAAAAAAAAAAAEAAAAAAAAAAEAAACAgIAKAAAAACgAAAAoAAAAZAAAAGQAAAAAAAAAzMzMAAAAAABQAAAAUAAAAGQAAABkAAAAAAAAABcAAAAUAAAAAAAAAAAAAAD/fwAA/38AAAAAAAAJAAAABAAAAAAAAAAeAAAAaAAAAAAAAAAAAAAAAAAAAAAAAAAAAAAAECcAABAnAAAAAAAAAAAAAAAAAAAAAAAAAAAAAAAAAAAAAAAAAAAAABQAAAAAAAAAwMD/AAAAAABkAAAAMgAAAAAAAABkAAAAAAAAAH9/fwAKAAAAIgAAABgAAAAAAAAAAAAAAAAAAAAAAAAAAAAAAAAAAAAkAAAAJAAAAAAAAAAHAAAAAAAAAAAAAAAAAAAAAAAAAAAAAAAAAAAAf39/ACUAAABYAAAAAAAAAAAAAAAAAAAAAAAAAAAAAAAAAAAAAAAAAAAAAAAAAAAAAAAAAAAAAAA/AAAAAAAAAKCGAQAAAAAAAAAAAAAAAAAMAAAAAQAAAAAAAAAAAAAAAAAAAB8AAABUAAAAAAAABQAAAAEAAAAAAAAAAAAAAAAAAAAAAAAAAAAAAAAAAAAAAAAAAAAAAAJ/f38AAAAAA8zMzADAwP8Af39/AAAAAAAAAAAAAAAAAAAAAAAAAAAAIQAAABgAAAAUAAAAoRkAABsnAABfMQAAWSkAABAAAAAmAAAACAAAAAAAAAAAAAAA"/>
               </a:ext>
             </a:extLst>
           </p:cNvSpPr>
@@ -568,7 +586,7 @@
           <a:bodyPr/>
           <a:lstStyle/>
           <a:p>
-            <a:pPr/>
+            <a:endParaRPr/>
           </a:p>
         </p:txBody>
       </p:sp>
@@ -579,7 +597,7 @@
             <a:spLocks noGrp="1" noChangeArrowheads="1"/>
             <a:extLst>
               <a:ext uri="smNativeData">
-                <pr:smNativeData xmlns:pr="smNativeData" xmlns="smNativeData" val="SMDATA_15_PhJKaRMAAAAlAAAAZAAAAA0AAAAAkAAAAEgAAACQAAAASAAAAAAAAAABAAAAAAAAAAEAAABQAAAAAAAAAAAA4D8AAAAAAADgPwAAAAAAAOA/AAAAAAAA4D8AAAAAAADgPwAAAAAAAOA/AAAAAAAA4D8AAAAAAADgPwAAAAAAAOA/AAAAAAAA4D8CAAAAjAAAAAAAAAAAAAAAu+DjDP///wgAAAAAAAAAAAAAAAAAAAAAAAAAAAAAAAAAAAAAZAAAAAEAAABAAAAAAAAAAAAAAAAAAAAAAAAAAAAAAAAAAAAAAAAAAAAAAAAAAAAAAAAAAAAAAAAAAAAAAAAAAAAAAAAAAAAAAAAAAAAAAAAAAAAAAAAAAAAAAAAAAAAAFAAAADwAAAAAAAAAAAAAAAAAAAkUAAAAAQAAABQAAAAUAAAAFAAAAAEAAAAAAAAAZAAAAGQAAAAAAAAAZAAAAGQAAAAVAAAAYAAAAAAAAAAAAAAADwAAACADAAAAAAAAAAAAAAEAAACgMgAAVgcAAKr4//8BAAAAf39/AAEAAABkAAAAAAAAABQAAABAHwAAAAAAACYAAAAAAAAAwOD//wAAAAAmAAAAZAAAABYAAABMAAAAAAAAAAAAAAAEAAAAAAAAAAEAAACAgIAKAAAAACgAAAAoAAAAZAAAAGQAAAAAAAAAzMzMAAAAAABQAAAAUAAAAGQAAABkAAAAAAAAABcAAAAUAAAAAAAAAAAAAAD/fwAA/38AAAAAAAAJAAAABAAAAAAAAAAeAAAAaAAAAAAAAAAAAAAAAAAAAAAAAAAAAAAAECcAABAnAAAAAAAAAAAAAAAAAAAAAAAAAAAAAAAAAAAAAAAAAAAAABQAAAAAAAAAwMD/AAAAAABkAAAAMgAAAAAAAABkAAAAAAAAAH9/fwAKAAAAIgAAABgAAAAAAAAAAAAAAAAAAAAAAAAAAAAAAAAAAAAkAAAAJAAAAAAAAAAHAAAAAAAAAAAAAAAAAAAAAAAAAAAAAAAAAAAAf39/ACUAAABYAAAAAAAAAAAAAAAAAAAAAAAAAAAAAAAAAAAAAAAAAAAAAAAAAAAAAAAAAAAAAAA/AAAAAAAAAKCGAQAAAAAAAAAAAAAAAAAMAAAAAQAAAAAAAAAAAAAAAAAAAB8AAABUAAAAAAAABQAAAAEAAAAAAAAAAAAAAAAAAAAAAAAAAAAAAAAAAAAAAAAAAAAAAAJ/f38AAAAAA8zMzADAwP8Af39/AAAAAAAAAAAAAAAAAAAAAAAAAAAAIQAAABgAAAAUAAAAwTUAABsnAABARwAAWSkAABAAAAAmAAAACAAAAAAAAAAAAAAA"/>
+                <pr:smNativeData xmlns:mc="http://schemas.openxmlformats.org/markup-compatibility/2006" xmlns:p14="http://schemas.microsoft.com/office/powerpoint/2010/main" xmlns:p15="http://schemas.microsoft.com/office/powerpoint/2012/main" xmlns:pr="smNativeData" xmlns="smNativeData" val="SMDATA_15_PhJKaRMAAAAlAAAAZAAAAA0AAAAAkAAAAEgAAACQAAAASAAAAAAAAAABAAAAAAAAAAEAAABQAAAAAAAAAAAA4D8AAAAAAADgPwAAAAAAAOA/AAAAAAAA4D8AAAAAAADgPwAAAAAAAOA/AAAAAAAA4D8AAAAAAADgPwAAAAAAAOA/AAAAAAAA4D8CAAAAjAAAAAAAAAAAAAAAu+DjDP///wgAAAAAAAAAAAAAAAAAAAAAAAAAAAAAAAAAAAAAZAAAAAEAAABAAAAAAAAAAAAAAAAAAAAAAAAAAAAAAAAAAAAAAAAAAAAAAAAAAAAAAAAAAAAAAAAAAAAAAAAAAAAAAAAAAAAAAAAAAAAAAAAAAAAAAAAAAAAAAAAAAAAAFAAAADwAAAAAAAAAAAAAAAAAAAkUAAAAAQAAABQAAAAUAAAAFAAAAAEAAAAAAAAAZAAAAGQAAAAAAAAAZAAAAGQAAAAVAAAAYAAAAAAAAAAAAAAADwAAACADAAAAAAAAAAAAAAEAAACgMgAAVgcAAKr4//8BAAAAf39/AAEAAABkAAAAAAAAABQAAABAHwAAAAAAACYAAAAAAAAAwOD//wAAAAAmAAAAZAAAABYAAABMAAAAAAAAAAAAAAAEAAAAAAAAAAEAAACAgIAKAAAAACgAAAAoAAAAZAAAAGQAAAAAAAAAzMzMAAAAAABQAAAAUAAAAGQAAABkAAAAAAAAABcAAAAUAAAAAAAAAAAAAAD/fwAA/38AAAAAAAAJAAAABAAAAAAAAAAeAAAAaAAAAAAAAAAAAAAAAAAAAAAAAAAAAAAAECcAABAnAAAAAAAAAAAAAAAAAAAAAAAAAAAAAAAAAAAAAAAAAAAAABQAAAAAAAAAwMD/AAAAAABkAAAAMgAAAAAAAABkAAAAAAAAAH9/fwAKAAAAIgAAABgAAAAAAAAAAAAAAAAAAAAAAAAAAAAAAAAAAAAkAAAAJAAAAAAAAAAHAAAAAAAAAAAAAAAAAAAAAAAAAAAAAAAAAAAAf39/ACUAAABYAAAAAAAAAAAAAAAAAAAAAAAAAAAAAAAAAAAAAAAAAAAAAAAAAAAAAAAAAAAAAAA/AAAAAAAAAKCGAQAAAAAAAAAAAAAAAAAMAAAAAQAAAAAAAAAAAAAAAAAAAB8AAABUAAAAAAAABQAAAAEAAAAAAAAAAAAAAAAAAAAAAAAAAAAAAAAAAAAAAAAAAAAAAAJ/f38AAAAAA8zMzADAwP8Af39/AAAAAAAAAAAAAAAAAAAAAAAAAAAAIQAAABgAAAAUAAAAwTUAABsnAABARwAAWSkAABAAAAAmAAAACAAAAAAAAAAAAAAA"/>
               </a:ext>
             </a:extLst>
           </p:cNvSpPr>
@@ -592,10 +610,10 @@
           <a:bodyPr/>
           <a:lstStyle/>
           <a:p>
-            <a:pPr/>
             <a:fld id="{0CA78C0F-41E1-F27A-AF1F-B72FC25159E2}" type="slidenum">
               <a:t>‹#›</a:t>
             </a:fld>
+            <a:endParaRPr/>
           </a:p>
         </p:txBody>
       </p:sp>
@@ -609,7 +627,7 @@
 </file>
 
 <file path=ppt/slideLayouts/slideLayout11.xml><?xml version="1.0" encoding="utf-8"?>
-<p:sldLayout xmlns:p="http://schemas.openxmlformats.org/presentationml/2006/main" xmlns:mc="http://schemas.openxmlformats.org/markup-compatibility/2006" xmlns:p14="http://schemas.microsoft.com/office/powerpoint/2010/main" xmlns:p15="http://schemas.microsoft.com/office/powerpoint/2012/main" xmlns:r="http://schemas.openxmlformats.org/officeDocument/2006/relationships" xmlns:a="http://schemas.openxmlformats.org/drawingml/2006/main" type="vertTitleAndTx">
+<p:sldLayout xmlns:a="http://schemas.openxmlformats.org/drawingml/2006/main" xmlns:r="http://schemas.openxmlformats.org/officeDocument/2006/relationships" xmlns:p="http://schemas.openxmlformats.org/presentationml/2006/main" type="vertTitleAndTx">
   <p:cSld name="Vertical title and text">
     <p:spTree>
       <p:nvGrpSpPr>
@@ -632,7 +650,7 @@
             <a:spLocks noGrp="1" noChangeArrowheads="1"/>
             <a:extLst>
               <a:ext uri="smNativeData">
-                <pr:smNativeData xmlns:pr="smNativeData" xmlns="smNativeData" val="SMDATA_15_PhJKaRMAAAAlAAAAZAAAAA0AAAAAkAAAAEgAAACQAAAASAAAAAAAAAACAAAAAQAAAAEAAABQAAAAAAAAAAAA4D8AAAAAAADgPwAAAAAAAOA/AAAAAAAA4D8AAAAAAADgPwAAAAAAAOA/AAAAAAAA4D8AAAAAAADgPwAAAAAAAOA/AAAAAAAA4D8CAAAAjAAAAAAAAAAAAAAAu+DjDP///wgAAAAAAAAAAAAAAAAAAAAAAAAAAAAAAAAAAAAAZAAAAAEAAABAAAAAAAAAAAAAAAAAAAAAAAAAAAAAAAAAAAAAAAAAAAAAAAAAAAAAAAAAAAAAAAAAAAAAAAAAAAAAAAAAAAAAAAAAAAAAAAAAAAAAAAAAAAAAAAAAAAAAFAAAADwAAAAAAAAAAAAAAAAAAAkUAAAAAQAAABQAAAAUAAAAFAAAAAEAAAAAAAAAZAAAAGQAAAAAAAAAZAAAAGQAAAAVAAAAYAAAAAAAAAAAAAAADwAAACADAAAAAAAAAAAAAAEAAACgMgAAVgcAAKr4//8BAAAAf39/AAEAAABkAAAAAAAAABQAAABAHwAAAAAAACYAAAAAAAAAwOD//wAAAAAmAAAAZAAAABYAAABMAAAAAAAAAAAAAAAEAAAAAAAAAAEAAACAgIAKAAAAACgAAAAoAAAAZAAAAGQAAAAAAAAAzMzMAAAAAABQAAAAUAAAAGQAAABkAAAAAAAAABcAAAAUAAAAAAAAAAAAAAD/fwAA/38AAAAAAAAJAAAABAAAAAAAAAAeAAAAaAAAAAAAAAAAAAAAAAAAAAAAAAAAAAAAECcAABAnAAAAAAAAAAAAAAAAAAAAAAAAAAAAAAAAAAAAAAAAAAAAABQAAAAAAAAAwMD/AAAAAABkAAAAMgAAAAAAAABkAAAAAAAAAH9/fwAKAAAAIgAAABgAAAAAAAAAAAAAAAAAAAAAAAAAAAAAAAAAAAAkAAAAJAAAAAAAAAAHAAAAAAAAAAAAAAAAAAAAAAAAAAAAAAAAAAAAf39/ACUAAABYAAAAAAAAAAAAAAAAAAAAAAAAAAAAAAAAAAAAAAAAAAAAAAAAAAAAAAAAAAAAAAA/AAAAAAAAAKCGAQAAAAAAAAAAAAAAAAAMAAAAAQAAAAAAAAAAAAAAAAAAAB8AAABUAAAAAAAABQAAAAEAAAAAAAAAAAAAAAAAAAAAAAAAAAAAAAAAAAAAAAAAAAAAAAJ/f38AAAAAA8zMzADAwP8Af39/AAAAAAAAAAAAAAAAAAAAAAAAAAAAIQAAABgAAAAUAAAAYDYAALABAABARwAAsCUAABAAAAAmAAAACAAAAIMQAAAAAAAA"/>
+                <pr:smNativeData xmlns:mc="http://schemas.openxmlformats.org/markup-compatibility/2006" xmlns:p14="http://schemas.microsoft.com/office/powerpoint/2010/main" xmlns:p15="http://schemas.microsoft.com/office/powerpoint/2012/main" xmlns:pr="smNativeData" xmlns="smNativeData" val="SMDATA_15_PhJKaRMAAAAlAAAAZAAAAA0AAAAAkAAAAEgAAACQAAAASAAAAAAAAAACAAAAAQAAAAEAAABQAAAAAAAAAAAA4D8AAAAAAADgPwAAAAAAAOA/AAAAAAAA4D8AAAAAAADgPwAAAAAAAOA/AAAAAAAA4D8AAAAAAADgPwAAAAAAAOA/AAAAAAAA4D8CAAAAjAAAAAAAAAAAAAAAu+DjDP///wgAAAAAAAAAAAAAAAAAAAAAAAAAAAAAAAAAAAAAZAAAAAEAAABAAAAAAAAAAAAAAAAAAAAAAAAAAAAAAAAAAAAAAAAAAAAAAAAAAAAAAAAAAAAAAAAAAAAAAAAAAAAAAAAAAAAAAAAAAAAAAAAAAAAAAAAAAAAAAAAAAAAAFAAAADwAAAAAAAAAAAAAAAAAAAkUAAAAAQAAABQAAAAUAAAAFAAAAAEAAAAAAAAAZAAAAGQAAAAAAAAAZAAAAGQAAAAVAAAAYAAAAAAAAAAAAAAADwAAACADAAAAAAAAAAAAAAEAAACgMgAAVgcAAKr4//8BAAAAf39/AAEAAABkAAAAAAAAABQAAABAHwAAAAAAACYAAAAAAAAAwOD//wAAAAAmAAAAZAAAABYAAABMAAAAAAAAAAAAAAAEAAAAAAAAAAEAAACAgIAKAAAAACgAAAAoAAAAZAAAAGQAAAAAAAAAzMzMAAAAAABQAAAAUAAAAGQAAABkAAAAAAAAABcAAAAUAAAAAAAAAAAAAAD/fwAA/38AAAAAAAAJAAAABAAAAAAAAAAeAAAAaAAAAAAAAAAAAAAAAAAAAAAAAAAAAAAAECcAABAnAAAAAAAAAAAAAAAAAAAAAAAAAAAAAAAAAAAAAAAAAAAAABQAAAAAAAAAwMD/AAAAAABkAAAAMgAAAAAAAABkAAAAAAAAAH9/fwAKAAAAIgAAABgAAAAAAAAAAAAAAAAAAAAAAAAAAAAAAAAAAAAkAAAAJAAAAAAAAAAHAAAAAAAAAAAAAAAAAAAAAAAAAAAAAAAAAAAAf39/ACUAAABYAAAAAAAAAAAAAAAAAAAAAAAAAAAAAAAAAAAAAAAAAAAAAAAAAAAAAAAAAAAAAAA/AAAAAAAAAKCGAQAAAAAAAAAAAAAAAAAMAAAAAQAAAAAAAAAAAAAAAAAAAB8AAABUAAAAAAAABQAAAAEAAAAAAAAAAAAAAAAAAAAAAAAAAAAAAAAAAAAAAAAAAAAAAAJ/f38AAAAAA8zMzADAwP8Af39/AAAAAAAAAAAAAAAAAAAAAAAAAAAAIQAAABgAAAAUAAAAYDYAALABAABARwAAsCUAABAAAAAmAAAACAAAAIMQAAAAAAAA"/>
               </a:ext>
             </a:extLst>
           </p:cNvSpPr>
@@ -654,7 +672,6 @@
           </a:bodyPr>
           <a:lstStyle/>
           <a:p>
-            <a:pPr/>
             <a:r>
               <a:t>Click to edit Master title style</a:t>
             </a:r>
@@ -668,7 +685,7 @@
             <a:spLocks noGrp="1" noChangeArrowheads="1"/>
             <a:extLst>
               <a:ext uri="smNativeData">
-                <pr:smNativeData xmlns:pr="smNativeData" xmlns="smNativeData" val="SMDATA_15_PhJKaRMAAAAlAAAAZAAAAA0AAAAAkAAAAEgAAACQAAAASAAAAAAAAAAAAAAAAQAAAAEAAABQAAAAAAAAAAAA4D8AAAAAAADgPwAAAAAAAOA/AAAAAAAA4D8AAAAAAADgPwAAAAAAAOA/AAAAAAAA4D8AAAAAAADgPwAAAAAAAOA/AAAAAAAA4D8CAAAAjAAAAAAAAAAAAAAAu+DjDP///wgAAAAAAAAAAAAAAAAAAAAAAAAAAAAAAAAAAAAAZAAAAAEAAABAAAAAAAAAAAAAAAAAAAAAAAAAAAAAAAAAAAAAAAAAAAAAAAAAAAAAAAAAAAAAAAAAAAAAAAAAAAAAAAAAAAAAAAAAAAAAAAAAAAAAAAAAAAAAAAAAAAAAFAAAADwAAAAAAAAAAAAAAAAAAAkUAAAAAQAAABQAAAAUAAAAFAAAAAEAAAAAAAAAZAAAAGQAAAAAAAAAZAAAAGQAAAAVAAAAYAAAAAAAAAAAAAAADwAAACADAAAAAAAAAAAAAAEAAACgMgAAVgcAAKr4//8BAAAAf39/AAEAAABkAAAAAAAAABQAAABAHwAAAAAAACYAAAAAAAAAwOD//wAAAAAmAAAAZAAAABYAAABMAAAAAAAAAAAAAAAEAAAAAAAAAAEAAACAgIAKAAAAACgAAAAoAAAAZAAAAGQAAAAAAAAAzMzMAAAAAABQAAAAUAAAAGQAAABkAAAAAAAAABcAAAAUAAAAAAAAAAAAAAD/fwAA/38AAAAAAAAJAAAABAAAAAAAAAAeAAAAaAAAAAAAAAAAAAAAAAAAAAAAAAAAAAAAECcAABAnAAAAAAAAAAAAAAAAAAAAAAAAAAAAAAAAAAAAAAAAAAAAABQAAAAAAAAAwMD/AAAAAABkAAAAMgAAAAAAAABkAAAAAAAAAH9/fwAKAAAAIgAAABgAAAAAAAAAAAAAAAAAAAAAAAAAAAAAAAAAAAAkAAAAJAAAAAAAAAAHAAAAAAAAAAAAAAAAAAAAAAAAAAAAAAAAAAAAf39/ACUAAABYAAAAAAAAAAAAAAAAAAAAAAAAAAAAAAAAAAAAAAAAAAAAAAAAAAAAAAAAAAAAAAA/AAAAAAAAAKCGAQAAAAAAAAAAAAAAAAAMAAAAAQAAAAAAAAAAAAAAAAAAAB8AAABUAAAAAAAABQAAAAEAAAAAAAAAAAAAAAAAAAAAAAAAAAAAAAAAAAAAAAAAAAAAAAJ/f38AAAAAA8zMzADAwP8Af39/AAAAAAAAAAAAAAAAAAAAAAAAAAAAIQAAABgAAAAUAAAAwAMAALABAAAfNQAAsCUAABAAAAAmAAAACAAAAAMQAAAAAAAA"/>
+                <pr:smNativeData xmlns:mc="http://schemas.openxmlformats.org/markup-compatibility/2006" xmlns:p14="http://schemas.microsoft.com/office/powerpoint/2010/main" xmlns:p15="http://schemas.microsoft.com/office/powerpoint/2012/main" xmlns:pr="smNativeData" xmlns="smNativeData" val="SMDATA_15_PhJKaRMAAAAlAAAAZAAAAA0AAAAAkAAAAEgAAACQAAAASAAAAAAAAAAAAAAAAQAAAAEAAABQAAAAAAAAAAAA4D8AAAAAAADgPwAAAAAAAOA/AAAAAAAA4D8AAAAAAADgPwAAAAAAAOA/AAAAAAAA4D8AAAAAAADgPwAAAAAAAOA/AAAAAAAA4D8CAAAAjAAAAAAAAAAAAAAAu+DjDP///wgAAAAAAAAAAAAAAAAAAAAAAAAAAAAAAAAAAAAAZAAAAAEAAABAAAAAAAAAAAAAAAAAAAAAAAAAAAAAAAAAAAAAAAAAAAAAAAAAAAAAAAAAAAAAAAAAAAAAAAAAAAAAAAAAAAAAAAAAAAAAAAAAAAAAAAAAAAAAAAAAAAAAFAAAADwAAAAAAAAAAAAAAAAAAAkUAAAAAQAAABQAAAAUAAAAFAAAAAEAAAAAAAAAZAAAAGQAAAAAAAAAZAAAAGQAAAAVAAAAYAAAAAAAAAAAAAAADwAAACADAAAAAAAAAAAAAAEAAACgMgAAVgcAAKr4//8BAAAAf39/AAEAAABkAAAAAAAAABQAAABAHwAAAAAAACYAAAAAAAAAwOD//wAAAAAmAAAAZAAAABYAAABMAAAAAAAAAAAAAAAEAAAAAAAAAAEAAACAgIAKAAAAACgAAAAoAAAAZAAAAGQAAAAAAAAAzMzMAAAAAABQAAAAUAAAAGQAAABkAAAAAAAAABcAAAAUAAAAAAAAAAAAAAD/fwAA/38AAAAAAAAJAAAABAAAAAAAAAAeAAAAaAAAAAAAAAAAAAAAAAAAAAAAAAAAAAAAECcAABAnAAAAAAAAAAAAAAAAAAAAAAAAAAAAAAAAAAAAAAAAAAAAABQAAAAAAAAAwMD/AAAAAABkAAAAMgAAAAAAAABkAAAAAAAAAH9/fwAKAAAAIgAAABgAAAAAAAAAAAAAAAAAAAAAAAAAAAAAAAAAAAAkAAAAJAAAAAAAAAAHAAAAAAAAAAAAAAAAAAAAAAAAAAAAAAAAAAAAf39/ACUAAABYAAAAAAAAAAAAAAAAAAAAAAAAAAAAAAAAAAAAAAAAAAAAAAAAAAAAAAAAAAAAAAA/AAAAAAAAAKCGAQAAAAAAAAAAAAAAAAAMAAAAAQAAAAAAAAAAAAAAAAAAAB8AAABUAAAAAAAABQAAAAEAAAAAAAAAAAAAAAAAAAAAAAAAAAAAAAAAAAAAAAAAAAAAAAJ/f38AAAAAA8zMzADAwP8Af39/AAAAAAAAAAAAAAAAAAAAAAAAAAAAIQAAABgAAAAUAAAAwAMAALABAAAfNQAAsCUAABAAAAAmAAAACAAAAAMQAAAAAAAA"/>
               </a:ext>
             </a:extLst>
           </p:cNvSpPr>
@@ -690,7 +707,6 @@
           </a:bodyPr>
           <a:lstStyle/>
           <a:p>
-            <a:pPr/>
             <a:r>
               <a:t>Click to edit Master text styles</a:t>
             </a:r>
@@ -728,7 +744,7 @@
             <a:spLocks noGrp="1" noChangeArrowheads="1"/>
             <a:extLst>
               <a:ext uri="smNativeData">
-                <pr:smNativeData xmlns:pr="smNativeData" xmlns="smNativeData" val="SMDATA_15_PhJKaRMAAAAlAAAAZAAAAA0AAAAAkAAAAEgAAACQAAAASAAAAAAAAAABAAAAAAAAAAEAAABQAAAAAAAAAAAA4D8AAAAAAADgPwAAAAAAAOA/AAAAAAAA4D8AAAAAAADgPwAAAAAAAOA/AAAAAAAA4D8AAAAAAADgPwAAAAAAAOA/AAAAAAAA4D8CAAAAjAAAAAAAAAAAAAAAu+DjDP///wgAAAAAAAAAAAAAAAAAAAAAAAAAAAAAAAAAAAAAZAAAAAEAAABAAAAAAAAAAAAAAAAAAAAAAAAAAAAAAAAAAAAAAAAAAAAAAAAAAAAAAAAAAAAAAAAAAAAAAAAAAAAAAAAAAAAAAAAAAAAAAAAAAAAAAAAAAAAAAAAAAAAAFAAAADwAAAAAAAAAAAAAAAAAAAkUAAAAAQAAABQAAAAUAAAAFAAAAAEAAAAAAAAAZAAAAGQAAAAAAAAAZAAAAGQAAAAVAAAAYAAAAAAAAAAAAAAADwAAACADAAAAAAAAAAAAAAEAAACgMgAAVgcAAKr4//8BAAAAf39/AAEAAABkAAAAAAAAABQAAABAHwAAAAAAACYAAAAAAAAAwOD//wAAAAAmAAAAZAAAABYAAABMAAAAAAAAAAAAAAAEAAAAAAAAAAEAAACAgIAKAAAAACgAAAAoAAAAZAAAAGQAAAAAAAAAzMzMAAAAAABQAAAAUAAAAGQAAABkAAAAAAAAABcAAAAUAAAAAAAAAAAAAAD/fwAA/38AAAAAAAAJAAAABAAAAAAAAAAeAAAAaAAAAAAAAAAAAAAAAAAAAAAAAAAAAAAAECcAABAnAAAAAAAAAAAAAAAAAAAAAAAAAAAAAAAAAAAAAAAAAAAAABQAAAAAAAAAwMD/AAAAAABkAAAAMgAAAAAAAABkAAAAAAAAAH9/fwAKAAAAIgAAABgAAAAAAAAAAAAAAAAAAAAAAAAAAAAAAAAAAAAkAAAAJAAAAAAAAAAHAAAAAAAAAAAAAAAAAAAAAAAAAAAAAAAAAAAAf39/ACUAAABYAAAAAAAAAAAAAAAAAAAAAAAAAAAAAAAAAAAAAAAAAAAAAAAAAAAAAAAAAAAAAAA/AAAAAAAAAKCGAQAAAAAAAAAAAAAAAAAMAAAAAQAAAAAAAAAAAAAAAAAAAB8AAABUAAAAAAAABQAAAAEAAAAAAAAAAAAAAAAAAAAAAAAAAAAAAAAAAAAAAAAAAAAAAAJ/f38AAAAAA8zMzADAwP8Af39/AAAAAAAAAAAAAAAAAAAAAAAAAAAAIQAAABgAAAAUAAAAwAMAABsnAAA/FQAAWSkAABAAAAAmAAAACAAAAAAAAAAAAAAA"/>
+                <pr:smNativeData xmlns:mc="http://schemas.openxmlformats.org/markup-compatibility/2006" xmlns:p14="http://schemas.microsoft.com/office/powerpoint/2010/main" xmlns:p15="http://schemas.microsoft.com/office/powerpoint/2012/main" xmlns:pr="smNativeData" xmlns="smNativeData" val="SMDATA_15_PhJKaRMAAAAlAAAAZAAAAA0AAAAAkAAAAEgAAACQAAAASAAAAAAAAAABAAAAAAAAAAEAAABQAAAAAAAAAAAA4D8AAAAAAADgPwAAAAAAAOA/AAAAAAAA4D8AAAAAAADgPwAAAAAAAOA/AAAAAAAA4D8AAAAAAADgPwAAAAAAAOA/AAAAAAAA4D8CAAAAjAAAAAAAAAAAAAAAu+DjDP///wgAAAAAAAAAAAAAAAAAAAAAAAAAAAAAAAAAAAAAZAAAAAEAAABAAAAAAAAAAAAAAAAAAAAAAAAAAAAAAAAAAAAAAAAAAAAAAAAAAAAAAAAAAAAAAAAAAAAAAAAAAAAAAAAAAAAAAAAAAAAAAAAAAAAAAAAAAAAAAAAAAAAAFAAAADwAAAAAAAAAAAAAAAAAAAkUAAAAAQAAABQAAAAUAAAAFAAAAAEAAAAAAAAAZAAAAGQAAAAAAAAAZAAAAGQAAAAVAAAAYAAAAAAAAAAAAAAADwAAACADAAAAAAAAAAAAAAEAAACgMgAAVgcAAKr4//8BAAAAf39/AAEAAABkAAAAAAAAABQAAABAHwAAAAAAACYAAAAAAAAAwOD//wAAAAAmAAAAZAAAABYAAABMAAAAAAAAAAAAAAAEAAAAAAAAAAEAAACAgIAKAAAAACgAAAAoAAAAZAAAAGQAAAAAAAAAzMzMAAAAAABQAAAAUAAAAGQAAABkAAAAAAAAABcAAAAUAAAAAAAAAAAAAAD/fwAA/38AAAAAAAAJAAAABAAAAAAAAAAeAAAAaAAAAAAAAAAAAAAAAAAAAAAAAAAAAAAAECcAABAnAAAAAAAAAAAAAAAAAAAAAAAAAAAAAAAAAAAAAAAAAAAAABQAAAAAAAAAwMD/AAAAAABkAAAAMgAAAAAAAABkAAAAAAAAAH9/fwAKAAAAIgAAABgAAAAAAAAAAAAAAAAAAAAAAAAAAAAAAAAAAAAkAAAAJAAAAAAAAAAHAAAAAAAAAAAAAAAAAAAAAAAAAAAAAAAAAAAAf39/ACUAAABYAAAAAAAAAAAAAAAAAAAAAAAAAAAAAAAAAAAAAAAAAAAAAAAAAAAAAAAAAAAAAAA/AAAAAAAAAKCGAQAAAAAAAAAAAAAAAAAMAAAAAQAAAAAAAAAAAAAAAAAAAB8AAABUAAAAAAAABQAAAAEAAAAAAAAAAAAAAAAAAAAAAAAAAAAAAAAAAAAAAAAAAAAAAAJ/f38AAAAAA8zMzADAwP8Af39/AAAAAAAAAAAAAAAAAAAAAAAAAAAAIQAAABgAAAAUAAAAwAMAABsnAAA/FQAAWSkAABAAAAAmAAAACAAAAAAAAAAAAAAA"/>
               </a:ext>
             </a:extLst>
           </p:cNvSpPr>
@@ -741,10 +757,10 @@
           <a:bodyPr/>
           <a:lstStyle/>
           <a:p>
-            <a:pPr/>
             <a:fld id="{0CA7B96F-21E1-F24F-AF1F-D71AF7515982}" type="datetime1">
-              <a:t>12/16/2025</a:t>
+              <a:t>12/29/2025</a:t>
             </a:fld>
+            <a:endParaRPr/>
           </a:p>
         </p:txBody>
       </p:sp>
@@ -755,7 +771,7 @@
             <a:spLocks noGrp="1" noChangeArrowheads="1"/>
             <a:extLst>
               <a:ext uri="smNativeData">
-                <pr:smNativeData xmlns:pr="smNativeData" xmlns="smNativeData" val="SMDATA_15_PhJKaRMAAAAlAAAAZAAAAA0AAAAAkAAAAEgAAACQAAAASAAAAAAAAAABAAAAAAAAAAEAAABQAAAAAAAAAAAA4D8AAAAAAADgPwAAAAAAAOA/AAAAAAAA4D8AAAAAAADgPwAAAAAAAOA/AAAAAAAA4D8AAAAAAADgPwAAAAAAAOA/AAAAAAAA4D8CAAAAjAAAAAAAAAAAAAAAu+DjDP///wgAAAAAAAAAAAAAAAAAAAAAAAAAAAAAAAAAAAAAZAAAAAEAAABAAAAAAAAAAAAAAAAAAAAAAAAAAAAAAAAAAAAAAAAAAAAAAAAAAAAAAAAAAAAAAAAAAAAAAAAAAAAAAAAAAAAAAAAAAAAAAAAAAAAAAAAAAAAAAAAAAAAAFAAAADwAAAAAAAAAAAAAAAAAAAkUAAAAAQAAABQAAAAUAAAAFAAAAAEAAAAAAAAAZAAAAGQAAAAAAAAAZAAAAGQAAAAVAAAAYAAAAAAAAAAAAAAADwAAACADAAAAAAAAAAAAAAEAAACgMgAAVgcAAKr4//8BAAAAf39/AAEAAABkAAAAAAAAABQAAABAHwAAAAAAACYAAAAAAAAAwOD//wAAAAAmAAAAZAAAABYAAABMAAAAAAAAAAAAAAAEAAAAAAAAAAEAAACAgIAKAAAAACgAAAAoAAAAZAAAAGQAAAAAAAAAzMzMAAAAAABQAAAAUAAAAGQAAABkAAAAAAAAABcAAAAUAAAAAAAAAAAAAAD/fwAA/38AAAAAAAAJAAAABAAAAAAAAAAeAAAAaAAAAAAAAAAAAAAAAAAAAAAAAAAAAAAAECcAABAnAAAAAAAAAAAAAAAAAAAAAAAAAAAAAAAAAAAAAAAAAAAAABQAAAAAAAAAwMD/AAAAAABkAAAAMgAAAAAAAABkAAAAAAAAAH9/fwAKAAAAIgAAABgAAAAAAAAAAAAAAAAAAAAAAAAAAAAAAAAAAAAkAAAAJAAAAAAAAAAHAAAAAAAAAAAAAAAAAAAAAAAAAAAAAAAAAAAAf39/ACUAAABYAAAAAAAAAAAAAAAAAAAAAAAAAAAAAAAAAAAAAAAAAAAAAAAAAAAAAAAAAAAAAAA/AAAAAAAAAKCGAQAAAAAAAAAAAAAAAAAMAAAAAQAAAAAAAAAAAAAAAAAAAB8AAABUAAAAAAAABQAAAAEAAAAAAAAAAAAAAAAAAAAAAAAAAAAAAAAAAAAAAAAAAAAAAAJ/f38AAAAAA8zMzADAwP8Af39/AAAAAAAAAAAAAAAAAAAAAAAAAAAAIQAAABgAAAAUAAAAoRkAABsnAABfMQAAWSkAABAAAAAmAAAACAAAAAAAAAAAAAAA"/>
+                <pr:smNativeData xmlns:mc="http://schemas.openxmlformats.org/markup-compatibility/2006" xmlns:p14="http://schemas.microsoft.com/office/powerpoint/2010/main" xmlns:p15="http://schemas.microsoft.com/office/powerpoint/2012/main" xmlns:pr="smNativeData" xmlns="smNativeData" val="SMDATA_15_PhJKaRMAAAAlAAAAZAAAAA0AAAAAkAAAAEgAAACQAAAASAAAAAAAAAABAAAAAAAAAAEAAABQAAAAAAAAAAAA4D8AAAAAAADgPwAAAAAAAOA/AAAAAAAA4D8AAAAAAADgPwAAAAAAAOA/AAAAAAAA4D8AAAAAAADgPwAAAAAAAOA/AAAAAAAA4D8CAAAAjAAAAAAAAAAAAAAAu+DjDP///wgAAAAAAAAAAAAAAAAAAAAAAAAAAAAAAAAAAAAAZAAAAAEAAABAAAAAAAAAAAAAAAAAAAAAAAAAAAAAAAAAAAAAAAAAAAAAAAAAAAAAAAAAAAAAAAAAAAAAAAAAAAAAAAAAAAAAAAAAAAAAAAAAAAAAAAAAAAAAAAAAAAAAFAAAADwAAAAAAAAAAAAAAAAAAAkUAAAAAQAAABQAAAAUAAAAFAAAAAEAAAAAAAAAZAAAAGQAAAAAAAAAZAAAAGQAAAAVAAAAYAAAAAAAAAAAAAAADwAAACADAAAAAAAAAAAAAAEAAACgMgAAVgcAAKr4//8BAAAAf39/AAEAAABkAAAAAAAAABQAAABAHwAAAAAAACYAAAAAAAAAwOD//wAAAAAmAAAAZAAAABYAAABMAAAAAAAAAAAAAAAEAAAAAAAAAAEAAACAgIAKAAAAACgAAAAoAAAAZAAAAGQAAAAAAAAAzMzMAAAAAABQAAAAUAAAAGQAAABkAAAAAAAAABcAAAAUAAAAAAAAAAAAAAD/fwAA/38AAAAAAAAJAAAABAAAAAAAAAAeAAAAaAAAAAAAAAAAAAAAAAAAAAAAAAAAAAAAECcAABAnAAAAAAAAAAAAAAAAAAAAAAAAAAAAAAAAAAAAAAAAAAAAABQAAAAAAAAAwMD/AAAAAABkAAAAMgAAAAAAAABkAAAAAAAAAH9/fwAKAAAAIgAAABgAAAAAAAAAAAAAAAAAAAAAAAAAAAAAAAAAAAAkAAAAJAAAAAAAAAAHAAAAAAAAAAAAAAAAAAAAAAAAAAAAAAAAAAAAf39/ACUAAABYAAAAAAAAAAAAAAAAAAAAAAAAAAAAAAAAAAAAAAAAAAAAAAAAAAAAAAAAAAAAAAA/AAAAAAAAAKCGAQAAAAAAAAAAAAAAAAAMAAAAAQAAAAAAAAAAAAAAAAAAAB8AAABUAAAAAAAABQAAAAEAAAAAAAAAAAAAAAAAAAAAAAAAAAAAAAAAAAAAAAAAAAAAAAJ/f38AAAAAA8zMzADAwP8Af39/AAAAAAAAAAAAAAAAAAAAAAAAAAAAIQAAABgAAAAUAAAAoRkAABsnAABfMQAAWSkAABAAAAAmAAAACAAAAAAAAAAAAAAA"/>
               </a:ext>
             </a:extLst>
           </p:cNvSpPr>
@@ -768,7 +784,7 @@
           <a:bodyPr/>
           <a:lstStyle/>
           <a:p>
-            <a:pPr/>
+            <a:endParaRPr/>
           </a:p>
         </p:txBody>
       </p:sp>
@@ -779,7 +795,7 @@
             <a:spLocks noGrp="1" noChangeArrowheads="1"/>
             <a:extLst>
               <a:ext uri="smNativeData">
-                <pr:smNativeData xmlns:pr="smNativeData" xmlns="smNativeData" val="SMDATA_15_PhJKaRMAAAAlAAAAZAAAAA0AAAAAkAAAAEgAAACQAAAASAAAAAAAAAABAAAAAAAAAAEAAABQAAAAAAAAAAAA4D8AAAAAAADgPwAAAAAAAOA/AAAAAAAA4D8AAAAAAADgPwAAAAAAAOA/AAAAAAAA4D8AAAAAAADgPwAAAAAAAOA/AAAAAAAA4D8CAAAAjAAAAAAAAAAAAAAAu+DjDP///wgAAAAAAAAAAAAAAAAAAAAAAAAAAAAAAAAAAAAAZAAAAAEAAABAAAAAAAAAAAAAAAAAAAAAAAAAAAAAAAAAAAAAAAAAAAAAAAAAAAAAAAAAAAAAAAAAAAAAAAAAAAAAAAAAAAAAAAAAAAAAAAAAAAAAAAAAAAAAAAAAAAAAFAAAADwAAAAAAAAAAAAAAAAAAAkUAAAAAQAAABQAAAAUAAAAFAAAAAEAAAAAAAAAZAAAAGQAAAAAAAAAZAAAAGQAAAAVAAAAYAAAAAAAAAAAAAAADwAAACADAAAAAAAAAAAAAAEAAACgMgAAVgcAAKr4//8BAAAAf39/AAEAAABkAAAAAAAAABQAAABAHwAAAAAAACYAAAAAAAAAwOD//wAAAAAmAAAAZAAAABYAAABMAAAAAAAAAAAAAAAEAAAAAAAAAAEAAACAgIAKAAAAACgAAAAoAAAAZAAAAGQAAAAAAAAAzMzMAAAAAABQAAAAUAAAAGQAAABkAAAAAAAAABcAAAAUAAAAAAAAAAAAAAD/fwAA/38AAAAAAAAJAAAABAAAAAAAAAAeAAAAaAAAAAAAAAAAAAAAAAAAAAAAAAAAAAAAECcAABAnAAAAAAAAAAAAAAAAAAAAAAAAAAAAAAAAAAAAAAAAAAAAABQAAAAAAAAAwMD/AAAAAABkAAAAMgAAAAAAAABkAAAAAAAAAH9/fwAKAAAAIgAAABgAAAAAAAAAAAAAAAAAAAAAAAAAAAAAAAAAAAAkAAAAJAAAAAAAAAAHAAAAAAAAAAAAAAAAAAAAAAAAAAAAAAAAAAAAf39/ACUAAABYAAAAAAAAAAAAAAAAAAAAAAAAAAAAAAAAAAAAAAAAAAAAAAAAAAAAAAAAAAAAAAA/AAAAAAAAAKCGAQAAAAAAAAAAAAAAAAAMAAAAAQAAAAAAAAAAAAAAAAAAAB8AAABUAAAAAAAABQAAAAEAAAAAAAAAAAAAAAAAAAAAAAAAAAAAAAAAAAAAAAAAAAAAAAJ/f38AAAAAA8zMzADAwP8Af39/AAAAAAAAAAAAAAAAAAAAAAAAAAAAIQAAABgAAAAUAAAAwTUAABsnAABARwAAWSkAABAAAAAmAAAACAAAAAAAAAAAAAAA"/>
+                <pr:smNativeData xmlns:mc="http://schemas.openxmlformats.org/markup-compatibility/2006" xmlns:p14="http://schemas.microsoft.com/office/powerpoint/2010/main" xmlns:p15="http://schemas.microsoft.com/office/powerpoint/2012/main" xmlns:pr="smNativeData" xmlns="smNativeData" val="SMDATA_15_PhJKaRMAAAAlAAAAZAAAAA0AAAAAkAAAAEgAAACQAAAASAAAAAAAAAABAAAAAAAAAAEAAABQAAAAAAAAAAAA4D8AAAAAAADgPwAAAAAAAOA/AAAAAAAA4D8AAAAAAADgPwAAAAAAAOA/AAAAAAAA4D8AAAAAAADgPwAAAAAAAOA/AAAAAAAA4D8CAAAAjAAAAAAAAAAAAAAAu+DjDP///wgAAAAAAAAAAAAAAAAAAAAAAAAAAAAAAAAAAAAAZAAAAAEAAABAAAAAAAAAAAAAAAAAAAAAAAAAAAAAAAAAAAAAAAAAAAAAAAAAAAAAAAAAAAAAAAAAAAAAAAAAAAAAAAAAAAAAAAAAAAAAAAAAAAAAAAAAAAAAAAAAAAAAFAAAADwAAAAAAAAAAAAAAAAAAAkUAAAAAQAAABQAAAAUAAAAFAAAAAEAAAAAAAAAZAAAAGQAAAAAAAAAZAAAAGQAAAAVAAAAYAAAAAAAAAAAAAAADwAAACADAAAAAAAAAAAAAAEAAACgMgAAVgcAAKr4//8BAAAAf39/AAEAAABkAAAAAAAAABQAAABAHwAAAAAAACYAAAAAAAAAwOD//wAAAAAmAAAAZAAAABYAAABMAAAAAAAAAAAAAAAEAAAAAAAAAAEAAACAgIAKAAAAACgAAAAoAAAAZAAAAGQAAAAAAAAAzMzMAAAAAABQAAAAUAAAAGQAAABkAAAAAAAAABcAAAAUAAAAAAAAAAAAAAD/fwAA/38AAAAAAAAJAAAABAAAAAAAAAAeAAAAaAAAAAAAAAAAAAAAAAAAAAAAAAAAAAAAECcAABAnAAAAAAAAAAAAAAAAAAAAAAAAAAAAAAAAAAAAAAAAAAAAABQAAAAAAAAAwMD/AAAAAABkAAAAMgAAAAAAAABkAAAAAAAAAH9/fwAKAAAAIgAAABgAAAAAAAAAAAAAAAAAAAAAAAAAAAAAAAAAAAAkAAAAJAAAAAAAAAAHAAAAAAAAAAAAAAAAAAAAAAAAAAAAAAAAAAAAf39/ACUAAABYAAAAAAAAAAAAAAAAAAAAAAAAAAAAAAAAAAAAAAAAAAAAAAAAAAAAAAAAAAAAAAA/AAAAAAAAAKCGAQAAAAAAAAAAAAAAAAAMAAAAAQAAAAAAAAAAAAAAAAAAAB8AAABUAAAAAAAABQAAAAEAAAAAAAAAAAAAAAAAAAAAAAAAAAAAAAAAAAAAAAAAAAAAAAJ/f38AAAAAA8zMzADAwP8Af39/AAAAAAAAAAAAAAAAAAAAAAAAAAAAIQAAABgAAAAUAAAAwTUAABsnAABARwAAWSkAABAAAAAmAAAACAAAAAAAAAAAAAAA"/>
               </a:ext>
             </a:extLst>
           </p:cNvSpPr>
@@ -792,10 +808,10 @@
           <a:bodyPr/>
           <a:lstStyle/>
           <a:p>
-            <a:pPr/>
             <a:fld id="{0CA7E6B5-FBE1-F210-AF1F-0D45A8515958}" type="slidenum">
               <a:t>‹#›</a:t>
             </a:fld>
+            <a:endParaRPr/>
           </a:p>
         </p:txBody>
       </p:sp>
@@ -809,7 +825,7 @@
 </file>
 
 <file path=ppt/slideLayouts/slideLayout2.xml><?xml version="1.0" encoding="utf-8"?>
-<p:sldLayout xmlns:p="http://schemas.openxmlformats.org/presentationml/2006/main" xmlns:mc="http://schemas.openxmlformats.org/markup-compatibility/2006" xmlns:p14="http://schemas.microsoft.com/office/powerpoint/2010/main" xmlns:p15="http://schemas.microsoft.com/office/powerpoint/2012/main" xmlns:r="http://schemas.openxmlformats.org/officeDocument/2006/relationships" xmlns:a="http://schemas.openxmlformats.org/drawingml/2006/main" type="tx">
+<p:sldLayout xmlns:a="http://schemas.openxmlformats.org/drawingml/2006/main" xmlns:r="http://schemas.openxmlformats.org/officeDocument/2006/relationships" xmlns:p="http://schemas.openxmlformats.org/presentationml/2006/main" type="tx">
   <p:cSld name="Title and content">
     <p:spTree>
       <p:nvGrpSpPr>
@@ -832,7 +848,7 @@
             <a:spLocks noGrp="1" noChangeArrowheads="1"/>
             <a:extLst>
               <a:ext uri="smNativeData">
-                <pr:smNativeData xmlns:pr="smNativeData" xmlns="smNativeData" val="SMDATA_15_PhJKaRMAAAAlAAAAZAAAAA0AAAAAkAAAAEgAAACQAAAASAAAAAAAAAABAAAAAAAAAAEAAABQAAAAAAAAAAAA4D8AAAAAAADgPwAAAAAAAOA/AAAAAAAA4D8AAAAAAADgPwAAAAAAAOA/AAAAAAAA4D8AAAAAAADgPwAAAAAAAOA/AAAAAAAA4D8CAAAAjAAAAAAAAAAAAAAAu+DjDP///wgAAAAAAAAAAAAAAAAAAAAAAAAAAAAAAAAAAAAAZAAAAAEAAABAAAAAAAAAAAAAAAAAAAAAAAAAAAAAAAAAAAAAAAAAAAAAAAAAAAAAAAAAAAAAAAAAAAAAAAAAAAAAAAAAAAAAAAAAAAAAAAAAAAAAAAAAAAAAAAAAAAAAFAAAADwAAAAAAAAAAAAAAAAAAAkUAAAAAQAAABQAAAAUAAAAFAAAAAEAAAAAAAAAZAAAAGQAAAAAAAAAZAAAAGQAAAAVAAAAYAAAAAAAAAAAAAAADwAAACADAAAAAAAAAAAAAAEAAACgMgAAVgcAAKr4//8BAAAAf39/AAEAAABkAAAAAAAAABQAAABAHwAAAAAAACYAAAAAAAAAwOD//wAAAAAmAAAAZAAAABYAAABMAAAAAAAAAAAAAAAEAAAAAAAAAAEAAACAgIAKAAAAACgAAAAoAAAAZAAAAGQAAAAAAAAAzMzMAAAAAABQAAAAUAAAAGQAAABkAAAAAAAAABcAAAAUAAAAAAAAAAAAAAD/fwAA/38AAAAAAAAJAAAABAAAAAQAAAAeAAAAaAAAAAAAAAAAAAAAAAAAAAAAAAAAAAAAECcAABAnAAAAAAAAAAAAAAAAAAAAAAAAAAAAAAAAAAAAAAAAAAAAABQAAAAAAAAAwMD/AAAAAABkAAAAMgAAAAAAAABkAAAAAAAAAH9/fwAKAAAAIgAAABgAAAAAAAAAAAAAAAAAAAAAAAAAAAAAAAAAAAAkAAAAJAAAAAAAAAAHAAAAAAAAAAAAAAAAAAAAAAAAAAAAAAAAAAAAf39/ACUAAABYAAAAAAAAAAAAAAAAAAAAAAAAAAAAAAAAAAAAAAAAAAAAAAAAAAAAAAAAAAAAAAA/AAAAAAAAAKCGAQAAAAAAAAAAAAAAAAAMAAAAAQAAAAAAAAAAAAAAAAAAAB8AAABUAAAAAAAABQAAAAEAAAAAAAAAAAAAAAAAAAAAAAAAAAAAAAAAAAAAAAAAAAAAAAJ/f38AAAAAA8zMzADAwP8Af39/AAAAAAAAAAAAAAAAAAAAAAAAAAAAIQAAABgAAAAUAAAAwAMAALABAABARwAAuAgAABAAAAAmAAAACAAAAAAAAAAAAAAA"/>
+                <pr:smNativeData xmlns:mc="http://schemas.openxmlformats.org/markup-compatibility/2006" xmlns:p14="http://schemas.microsoft.com/office/powerpoint/2010/main" xmlns:p15="http://schemas.microsoft.com/office/powerpoint/2012/main" xmlns:pr="smNativeData" xmlns="smNativeData" val="SMDATA_15_PhJKaRMAAAAlAAAAZAAAAA0AAAAAkAAAAEgAAACQAAAASAAAAAAAAAABAAAAAAAAAAEAAABQAAAAAAAAAAAA4D8AAAAAAADgPwAAAAAAAOA/AAAAAAAA4D8AAAAAAADgPwAAAAAAAOA/AAAAAAAA4D8AAAAAAADgPwAAAAAAAOA/AAAAAAAA4D8CAAAAjAAAAAAAAAAAAAAAu+DjDP///wgAAAAAAAAAAAAAAAAAAAAAAAAAAAAAAAAAAAAAZAAAAAEAAABAAAAAAAAAAAAAAAAAAAAAAAAAAAAAAAAAAAAAAAAAAAAAAAAAAAAAAAAAAAAAAAAAAAAAAAAAAAAAAAAAAAAAAAAAAAAAAAAAAAAAAAAAAAAAAAAAAAAAFAAAADwAAAAAAAAAAAAAAAAAAAkUAAAAAQAAABQAAAAUAAAAFAAAAAEAAAAAAAAAZAAAAGQAAAAAAAAAZAAAAGQAAAAVAAAAYAAAAAAAAAAAAAAADwAAACADAAAAAAAAAAAAAAEAAACgMgAAVgcAAKr4//8BAAAAf39/AAEAAABkAAAAAAAAABQAAABAHwAAAAAAACYAAAAAAAAAwOD//wAAAAAmAAAAZAAAABYAAABMAAAAAAAAAAAAAAAEAAAAAAAAAAEAAACAgIAKAAAAACgAAAAoAAAAZAAAAGQAAAAAAAAAzMzMAAAAAABQAAAAUAAAAGQAAABkAAAAAAAAABcAAAAUAAAAAAAAAAAAAAD/fwAA/38AAAAAAAAJAAAABAAAAAQAAAAeAAAAaAAAAAAAAAAAAAAAAAAAAAAAAAAAAAAAECcAABAnAAAAAAAAAAAAAAAAAAAAAAAAAAAAAAAAAAAAAAAAAAAAABQAAAAAAAAAwMD/AAAAAABkAAAAMgAAAAAAAABkAAAAAAAAAH9/fwAKAAAAIgAAABgAAAAAAAAAAAAAAAAAAAAAAAAAAAAAAAAAAAAkAAAAJAAAAAAAAAAHAAAAAAAAAAAAAAAAAAAAAAAAAAAAAAAAAAAAf39/ACUAAABYAAAAAAAAAAAAAAAAAAAAAAAAAAAAAAAAAAAAAAAAAAAAAAAAAAAAAAAAAAAAAAA/AAAAAAAAAKCGAQAAAAAAAAAAAAAAAAAMAAAAAQAAAAAAAAAAAAAAAAAAAB8AAABUAAAAAAAABQAAAAEAAAAAAAAAAAAAAAAAAAAAAAAAAAAAAAAAAAAAAAAAAAAAAAJ/f38AAAAAA8zMzADAwP8Af39/AAAAAAAAAAAAAAAAAAAAAAAAAAAAIQAAABgAAAAUAAAAwAMAALABAABARwAAuAgAABAAAAAmAAAACAAAAAAAAAAAAAAA"/>
               </a:ext>
             </a:extLst>
           </p:cNvSpPr>
@@ -845,7 +861,6 @@
           <a:bodyPr/>
           <a:lstStyle/>
           <a:p>
-            <a:pPr/>
             <a:r>
               <a:t>Click to edit Master title style</a:t>
             </a:r>
@@ -859,7 +874,7 @@
             <a:spLocks noGrp="1" noChangeArrowheads="1"/>
             <a:extLst>
               <a:ext uri="smNativeData">
-                <pr:smNativeData xmlns:pr="smNativeData" xmlns="smNativeData" val="SMDATA_15_PhJKaRMAAAAlAAAAZAAAAA0AAAAAkAAAAEgAAACQAAAASAAAAAAAAAAAAAAAAAAAAAEAAABQAAAAAAAAAAAA4D8AAAAAAADgPwAAAAAAAOA/AAAAAAAA4D8AAAAAAADgPwAAAAAAAOA/AAAAAAAA4D8AAAAAAADgPwAAAAAAAOA/AAAAAAAA4D8CAAAAjAAAAAAAAAAAAAAAu+DjDP///wgAAAAAAAAAAAAAAAAAAAAAAAAAAAAAAAAAAAAAZAAAAAEAAABAAAAAAAAAAAAAAAAAAAAAAAAAAAAAAAAAAAAAAAAAAAAAAAAAAAAAAAAAAAAAAAAAAAAAAAAAAAAAAAAAAAAAAAAAAAAAAAAAAAAAAAAAAAAAAAAAAAAAFAAAADwAAAAAAAAAAAAAAAAAAAkUAAAAAQAAABQAAAAUAAAAFAAAAAEAAAAAAAAAZAAAAGQAAAAAAAAAZAAAAGQAAAAVAAAAYAAAAAAAAAAAAAAADwAAACADAAAAAAAAAAAAAAEAAACgMgAAVgcAAKr4//8BAAAAf39/AAEAAABkAAAAAAAAABQAAABAHwAAAAAAACYAAAAAAAAAwOD//wAAAAAmAAAAZAAAABYAAABMAAAAAAAAAAAAAAAEAAAAAAAAAAEAAACAgIAKAAAAACgAAAAoAAAAZAAAAGQAAAAAAAAAzMzMAAAAAABQAAAAUAAAAGQAAABkAAAAAAAAABcAAAAUAAAAAAAAAAAAAAD/fwAA/38AAAAAAAAJAAAABAAAAMDcrwIeAAAAaAAAAAAAAAAAAAAAAAAAAAAAAAAAAAAAECcAABAnAAAAAAAAAAAAAAAAAAAAAAAAAAAAAAAAAAAAAAAAAAAAABQAAAAAAAAAwMD/AAAAAABkAAAAMgAAAAAAAABkAAAAAAAAAH9/fwAKAAAAIgAAABgAAAAAAAAAAAAAAAAAAAAAAAAAAAAAAAAAAAAkAAAAJAAAAAAAAAAHAAAAAAAAAAAAAAAAAAAAAAAAAAAAAAAAAAAAf39/ACUAAABYAAAAAAAAAAAAAAAAAAAAAAAAAAAAAAAAAAAAAAAAAAAAAAAAAAAAAAAAAAAAAAA/AAAAAAAAAKCGAQAAAAAAAAAAAAAAAAAMAAAAAQAAAAAAAAAAAAAAAAAAAB8AAABUAAAAAAAABQAAAAEAAAAAAAAAAAAAAAAAAAAAAAAAAAAAAAAAAAAAAAAAAAAAAAJ/f38AAAAAA8zMzADAwP8Af39/AAAAAAAAAAAAAAAAAAAAAAAAAAAAIQAAABgAAAAUAAAAwAMAANgJAABARwAAsCUAABAAAAAmAAAACAAAAAAAAAAAAAAA"/>
+                <pr:smNativeData xmlns:mc="http://schemas.openxmlformats.org/markup-compatibility/2006" xmlns:p14="http://schemas.microsoft.com/office/powerpoint/2010/main" xmlns:p15="http://schemas.microsoft.com/office/powerpoint/2012/main" xmlns:pr="smNativeData" xmlns="smNativeData" val="SMDATA_15_PhJKaRMAAAAlAAAAZAAAAA0AAAAAkAAAAEgAAACQAAAASAAAAAAAAAAAAAAAAAAAAAEAAABQAAAAAAAAAAAA4D8AAAAAAADgPwAAAAAAAOA/AAAAAAAA4D8AAAAAAADgPwAAAAAAAOA/AAAAAAAA4D8AAAAAAADgPwAAAAAAAOA/AAAAAAAA4D8CAAAAjAAAAAAAAAAAAAAAu+DjDP///wgAAAAAAAAAAAAAAAAAAAAAAAAAAAAAAAAAAAAAZAAAAAEAAABAAAAAAAAAAAAAAAAAAAAAAAAAAAAAAAAAAAAAAAAAAAAAAAAAAAAAAAAAAAAAAAAAAAAAAAAAAAAAAAAAAAAAAAAAAAAAAAAAAAAAAAAAAAAAAAAAAAAAFAAAADwAAAAAAAAAAAAAAAAAAAkUAAAAAQAAABQAAAAUAAAAFAAAAAEAAAAAAAAAZAAAAGQAAAAAAAAAZAAAAGQAAAAVAAAAYAAAAAAAAAAAAAAADwAAACADAAAAAAAAAAAAAAEAAACgMgAAVgcAAKr4//8BAAAAf39/AAEAAABkAAAAAAAAABQAAABAHwAAAAAAACYAAAAAAAAAwOD//wAAAAAmAAAAZAAAABYAAABMAAAAAAAAAAAAAAAEAAAAAAAAAAEAAACAgIAKAAAAACgAAAAoAAAAZAAAAGQAAAAAAAAAzMzMAAAAAABQAAAAUAAAAGQAAABkAAAAAAAAABcAAAAUAAAAAAAAAAAAAAD/fwAA/38AAAAAAAAJAAAABAAAAMDcrwIeAAAAaAAAAAAAAAAAAAAAAAAAAAAAAAAAAAAAECcAABAnAAAAAAAAAAAAAAAAAAAAAAAAAAAAAAAAAAAAAAAAAAAAABQAAAAAAAAAwMD/AAAAAABkAAAAMgAAAAAAAABkAAAAAAAAAH9/fwAKAAAAIgAAABgAAAAAAAAAAAAAAAAAAAAAAAAAAAAAAAAAAAAkAAAAJAAAAAAAAAAHAAAAAAAAAAAAAAAAAAAAAAAAAAAAAAAAAAAAf39/ACUAAABYAAAAAAAAAAAAAAAAAAAAAAAAAAAAAAAAAAAAAAAAAAAAAAAAAAAAAAAAAAAAAAA/AAAAAAAAAKCGAQAAAAAAAAAAAAAAAAAMAAAAAQAAAAAAAAAAAAAAAAAAAB8AAABUAAAAAAAABQAAAAEAAAAAAAAAAAAAAAAAAAAAAAAAAAAAAAAAAAAAAAAAAAAAAAJ/f38AAAAAA8zMzADAwP8Af39/AAAAAAAAAAAAAAAAAAAAAAAAAAAAIQAAABgAAAAUAAAAwAMAANgJAABARwAAsCUAABAAAAAmAAAACAAAAAAAAAAAAAAA"/>
               </a:ext>
             </a:extLst>
           </p:cNvSpPr>
@@ -872,7 +887,6 @@
           <a:bodyPr/>
           <a:lstStyle/>
           <a:p>
-            <a:pPr/>
             <a:r>
               <a:t>Click to edit Master text styles</a:t>
             </a:r>
@@ -910,7 +924,7 @@
             <a:spLocks noGrp="1" noChangeArrowheads="1"/>
             <a:extLst>
               <a:ext uri="smNativeData">
-                <pr:smNativeData xmlns:pr="smNativeData" xmlns="smNativeData" val="SMDATA_15_PhJKaRMAAAAlAAAAZAAAAA0AAAAAkAAAAEgAAACQAAAASAAAAAAAAAABAAAAAAAAAAEAAABQAAAAAAAAAAAA4D8AAAAAAADgPwAAAAAAAOA/AAAAAAAA4D8AAAAAAADgPwAAAAAAAOA/AAAAAAAA4D8AAAAAAADgPwAAAAAAAOA/AAAAAAAA4D8CAAAAjAAAAAAAAAAAAAAAu+DjDP///wgAAAAAAAAAAAAAAAAAAAAAAAAAAAAAAAAAAAAAZAAAAAEAAABAAAAAAAAAAAAAAAAAAAAAAAAAAAAAAAAAAAAAAAAAAAAAAAAAAAAAAAAAAAAAAAAAAAAAAAAAAAAAAAAAAAAAAAAAAAAAAAAAAAAAAAAAAAAAAAAAAAAAFAAAADwAAAAAAAAAAAAAAAAAAAkUAAAAAQAAABQAAAAUAAAAFAAAAAEAAAAAAAAAZAAAAGQAAAAAAAAAZAAAAGQAAAAVAAAAYAAAAAAAAAAAAAAADwAAACADAAAAAAAAAAAAAAEAAACgMgAAVgcAAKr4//8BAAAAf39/AAEAAABkAAAAAAAAABQAAABAHwAAAAAAACYAAAAAAAAAwOD//wAAAAAmAAAAZAAAABYAAABMAAAAAAAAAAAAAAAEAAAAAAAAAAEAAACAgIAKAAAAACgAAAAoAAAAZAAAAGQAAAAAAAAAzMzMAAAAAABQAAAAUAAAAGQAAABkAAAAAAAAABcAAAAUAAAAAAAAAAAAAAD/fwAA/38AAAAAAAAJAAAABAAAAAAAAAAeAAAAaAAAAAAAAAAAAAAAAAAAAAAAAAAAAAAAECcAABAnAAAAAAAAAAAAAAAAAAAAAAAAAAAAAAAAAAAAAAAAAAAAABQAAAAAAAAAwMD/AAAAAABkAAAAMgAAAAAAAABkAAAAAAAAAH9/fwAKAAAAIgAAABgAAAAAAAAAAAAAAAAAAAAAAAAAAAAAAAAAAAAkAAAAJAAAAAAAAAAHAAAAAAAAAAAAAAAAAAAAAAAAAAAAAAAAAAAAf39/ACUAAABYAAAAAAAAAAAAAAAAAAAAAAAAAAAAAAAAAAAAAAAAAAAAAAAAAAAAAAAAAAAAAAA/AAAAAAAAAKCGAQAAAAAAAAAAAAAAAAAMAAAAAQAAAAAAAAAAAAAAAAAAAB8AAABUAAAAAAAABQAAAAEAAAAAAAAAAAAAAAAAAAAAAAAAAAAAAAAAAAAAAAAAAAAAAAJ/f38AAAAAA8zMzADAwP8Af39/AAAAAAAAAAAAAAAAAAAAAAAAAAAAIQAAABgAAAAUAAAAwAMAABsnAAA/FQAAWSkAABAAAAAmAAAACAAAAAAAAAAAAAAA"/>
+                <pr:smNativeData xmlns:mc="http://schemas.openxmlformats.org/markup-compatibility/2006" xmlns:p14="http://schemas.microsoft.com/office/powerpoint/2010/main" xmlns:p15="http://schemas.microsoft.com/office/powerpoint/2012/main" xmlns:pr="smNativeData" xmlns="smNativeData" val="SMDATA_15_PhJKaRMAAAAlAAAAZAAAAA0AAAAAkAAAAEgAAACQAAAASAAAAAAAAAABAAAAAAAAAAEAAABQAAAAAAAAAAAA4D8AAAAAAADgPwAAAAAAAOA/AAAAAAAA4D8AAAAAAADgPwAAAAAAAOA/AAAAAAAA4D8AAAAAAADgPwAAAAAAAOA/AAAAAAAA4D8CAAAAjAAAAAAAAAAAAAAAu+DjDP///wgAAAAAAAAAAAAAAAAAAAAAAAAAAAAAAAAAAAAAZAAAAAEAAABAAAAAAAAAAAAAAAAAAAAAAAAAAAAAAAAAAAAAAAAAAAAAAAAAAAAAAAAAAAAAAAAAAAAAAAAAAAAAAAAAAAAAAAAAAAAAAAAAAAAAAAAAAAAAAAAAAAAAFAAAADwAAAAAAAAAAAAAAAAAAAkUAAAAAQAAABQAAAAUAAAAFAAAAAEAAAAAAAAAZAAAAGQAAAAAAAAAZAAAAGQAAAAVAAAAYAAAAAAAAAAAAAAADwAAACADAAAAAAAAAAAAAAEAAACgMgAAVgcAAKr4//8BAAAAf39/AAEAAABkAAAAAAAAABQAAABAHwAAAAAAACYAAAAAAAAAwOD//wAAAAAmAAAAZAAAABYAAABMAAAAAAAAAAAAAAAEAAAAAAAAAAEAAACAgIAKAAAAACgAAAAoAAAAZAAAAGQAAAAAAAAAzMzMAAAAAABQAAAAUAAAAGQAAABkAAAAAAAAABcAAAAUAAAAAAAAAAAAAAD/fwAA/38AAAAAAAAJAAAABAAAAAAAAAAeAAAAaAAAAAAAAAAAAAAAAAAAAAAAAAAAAAAAECcAABAnAAAAAAAAAAAAAAAAAAAAAAAAAAAAAAAAAAAAAAAAAAAAABQAAAAAAAAAwMD/AAAAAABkAAAAMgAAAAAAAABkAAAAAAAAAH9/fwAKAAAAIgAAABgAAAAAAAAAAAAAAAAAAAAAAAAAAAAAAAAAAAAkAAAAJAAAAAAAAAAHAAAAAAAAAAAAAAAAAAAAAAAAAAAAAAAAAAAAf39/ACUAAABYAAAAAAAAAAAAAAAAAAAAAAAAAAAAAAAAAAAAAAAAAAAAAAAAAAAAAAAAAAAAAAA/AAAAAAAAAKCGAQAAAAAAAAAAAAAAAAAMAAAAAQAAAAAAAAAAAAAAAAAAAB8AAABUAAAAAAAABQAAAAEAAAAAAAAAAAAAAAAAAAAAAAAAAAAAAAAAAAAAAAAAAAAAAAJ/f38AAAAAA8zMzADAwP8Af39/AAAAAAAAAAAAAAAAAAAAAAAAAAAAIQAAABgAAAAUAAAAwAMAABsnAAA/FQAAWSkAABAAAAAmAAAACAAAAAAAAAAAAAAA"/>
               </a:ext>
             </a:extLst>
           </p:cNvSpPr>
@@ -923,10 +937,10 @@
           <a:bodyPr/>
           <a:lstStyle/>
           <a:p>
-            <a:pPr/>
             <a:fld id="{0CA7AC8E-C0E1-F25A-AF1F-360FE2515963}" type="datetime1">
-              <a:t/>
+              <a:t>12/29/2025</a:t>
             </a:fld>
+            <a:endParaRPr/>
           </a:p>
         </p:txBody>
       </p:sp>
@@ -937,7 +951,7 @@
             <a:spLocks noGrp="1" noChangeArrowheads="1"/>
             <a:extLst>
               <a:ext uri="smNativeData">
-                <pr:smNativeData xmlns:pr="smNativeData" xmlns="smNativeData" val="SMDATA_15_PhJKaRMAAAAlAAAAZAAAAA0AAAAAkAAAAEgAAACQAAAASAAAAAAAAAABAAAAAAAAAAEAAABQAAAAAAAAAAAA4D8AAAAAAADgPwAAAAAAAOA/AAAAAAAA4D8AAAAAAADgPwAAAAAAAOA/AAAAAAAA4D8AAAAAAADgPwAAAAAAAOA/AAAAAAAA4D8CAAAAjAAAAAAAAAAAAAAAu+DjDP///wgAAAAAAAAAAAAAAAAAAAAAAAAAAAAAAAAAAAAAZAAAAAEAAABAAAAAAAAAAAAAAAAAAAAAAAAAAAAAAAAAAAAAAAAAAAAAAAAAAAAAAAAAAAAAAAAAAAAAAAAAAAAAAAAAAAAAAAAAAAAAAAAAAAAAAAAAAAAAAAAAAAAAFAAAADwAAAAAAAAAAAAAAAAAAAkUAAAAAQAAABQAAAAUAAAAFAAAAAEAAAAAAAAAZAAAAGQAAAAAAAAAZAAAAGQAAAAVAAAAYAAAAAAAAAAAAAAADwAAACADAAAAAAAAAAAAAAEAAACgMgAAVgcAAKr4//8BAAAAf39/AAEAAABkAAAAAAAAABQAAABAHwAAAAAAACYAAAAAAAAAwOD//wAAAAAmAAAAZAAAABYAAABMAAAAAAAAAAAAAAAEAAAAAAAAAAEAAACAgIAKAAAAACgAAAAoAAAAZAAAAGQAAAAAAAAAzMzMAAAAAABQAAAAUAAAAGQAAABkAAAAAAAAABcAAAAUAAAAAAAAAAAAAAD/fwAA/38AAAAAAAAJAAAABAAAAAAAAAAeAAAAaAAAAAAAAAAAAAAAAAAAAAAAAAAAAAAAECcAABAnAAAAAAAAAAAAAAAAAAAAAAAAAAAAAAAAAAAAAAAAAAAAABQAAAAAAAAAwMD/AAAAAABkAAAAMgAAAAAAAABkAAAAAAAAAH9/fwAKAAAAIgAAABgAAAAAAAAAAAAAAAAAAAAAAAAAAAAAAAAAAAAkAAAAJAAAAAAAAAAHAAAAAAAAAAAAAAAAAAAAAAAAAAAAAAAAAAAAf39/ACUAAABYAAAAAAAAAAAAAAAAAAAAAAAAAAAAAAAAAAAAAAAAAAAAAAAAAAAAAAAAAAAAAAA/AAAAAAAAAKCGAQAAAAAAAAAAAAAAAAAMAAAAAQAAAAAAAAAAAAAAAAAAAB8AAABUAAAAAAAABQAAAAEAAAAAAAAAAAAAAAAAAAAAAAAAAAAAAAAAAAAAAAAAAAAAAAJ/f38AAAAAA8zMzADAwP8Af39/AAAAAAAAAAAAAAAAAAAAAAAAAAAAIQAAABgAAAAUAAAAoRkAABsnAABfMQAAWSkAABAAAAAmAAAACAAAAAAAAAAAAAAA"/>
+                <pr:smNativeData xmlns:mc="http://schemas.openxmlformats.org/markup-compatibility/2006" xmlns:p14="http://schemas.microsoft.com/office/powerpoint/2010/main" xmlns:p15="http://schemas.microsoft.com/office/powerpoint/2012/main" xmlns:pr="smNativeData" xmlns="smNativeData" val="SMDATA_15_PhJKaRMAAAAlAAAAZAAAAA0AAAAAkAAAAEgAAACQAAAASAAAAAAAAAABAAAAAAAAAAEAAABQAAAAAAAAAAAA4D8AAAAAAADgPwAAAAAAAOA/AAAAAAAA4D8AAAAAAADgPwAAAAAAAOA/AAAAAAAA4D8AAAAAAADgPwAAAAAAAOA/AAAAAAAA4D8CAAAAjAAAAAAAAAAAAAAAu+DjDP///wgAAAAAAAAAAAAAAAAAAAAAAAAAAAAAAAAAAAAAZAAAAAEAAABAAAAAAAAAAAAAAAAAAAAAAAAAAAAAAAAAAAAAAAAAAAAAAAAAAAAAAAAAAAAAAAAAAAAAAAAAAAAAAAAAAAAAAAAAAAAAAAAAAAAAAAAAAAAAAAAAAAAAFAAAADwAAAAAAAAAAAAAAAAAAAkUAAAAAQAAABQAAAAUAAAAFAAAAAEAAAAAAAAAZAAAAGQAAAAAAAAAZAAAAGQAAAAVAAAAYAAAAAAAAAAAAAAADwAAACADAAAAAAAAAAAAAAEAAACgMgAAVgcAAKr4//8BAAAAf39/AAEAAABkAAAAAAAAABQAAABAHwAAAAAAACYAAAAAAAAAwOD//wAAAAAmAAAAZAAAABYAAABMAAAAAAAAAAAAAAAEAAAAAAAAAAEAAACAgIAKAAAAACgAAAAoAAAAZAAAAGQAAAAAAAAAzMzMAAAAAABQAAAAUAAAAGQAAABkAAAAAAAAABcAAAAUAAAAAAAAAAAAAAD/fwAA/38AAAAAAAAJAAAABAAAAAAAAAAeAAAAaAAAAAAAAAAAAAAAAAAAAAAAAAAAAAAAECcAABAnAAAAAAAAAAAAAAAAAAAAAAAAAAAAAAAAAAAAAAAAAAAAABQAAAAAAAAAwMD/AAAAAABkAAAAMgAAAAAAAABkAAAAAAAAAH9/fwAKAAAAIgAAABgAAAAAAAAAAAAAAAAAAAAAAAAAAAAAAAAAAAAkAAAAJAAAAAAAAAAHAAAAAAAAAAAAAAAAAAAAAAAAAAAAAAAAAAAAf39/ACUAAABYAAAAAAAAAAAAAAAAAAAAAAAAAAAAAAAAAAAAAAAAAAAAAAAAAAAAAAAAAAAAAAA/AAAAAAAAAKCGAQAAAAAAAAAAAAAAAAAMAAAAAQAAAAAAAAAAAAAAAAAAAB8AAABUAAAAAAAABQAAAAEAAAAAAAAAAAAAAAAAAAAAAAAAAAAAAAAAAAAAAAAAAAAAAAJ/f38AAAAAA8zMzADAwP8Af39/AAAAAAAAAAAAAAAAAAAAAAAAAAAAIQAAABgAAAAUAAAAoRkAABsnAABfMQAAWSkAABAAAAAmAAAACAAAAAAAAAAAAAAA"/>
               </a:ext>
             </a:extLst>
           </p:cNvSpPr>
@@ -950,7 +964,7 @@
           <a:bodyPr/>
           <a:lstStyle/>
           <a:p>
-            <a:pPr/>
+            <a:endParaRPr/>
           </a:p>
         </p:txBody>
       </p:sp>
@@ -961,7 +975,7 @@
             <a:spLocks noGrp="1" noChangeArrowheads="1"/>
             <a:extLst>
               <a:ext uri="smNativeData">
-                <pr:smNativeData xmlns:pr="smNativeData" xmlns="smNativeData" val="SMDATA_15_PhJKaRMAAAAlAAAAZAAAAA0AAAAAkAAAAEgAAACQAAAASAAAAAAAAAABAAAAAAAAAAEAAABQAAAAAAAAAAAA4D8AAAAAAADgPwAAAAAAAOA/AAAAAAAA4D8AAAAAAADgPwAAAAAAAOA/AAAAAAAA4D8AAAAAAADgPwAAAAAAAOA/AAAAAAAA4D8CAAAAjAAAAAAAAAAAAAAAu+DjDP///wgAAAAAAAAAAAAAAAAAAAAAAAAAAAAAAAAAAAAAZAAAAAEAAABAAAAAAAAAAAAAAAAAAAAAAAAAAAAAAAAAAAAAAAAAAAAAAAAAAAAAAAAAAAAAAAAAAAAAAAAAAAAAAAAAAAAAAAAAAAAAAAAAAAAAAAAAAAAAAAAAAAAAFAAAADwAAAAAAAAAAAAAAAAAAAkUAAAAAQAAABQAAAAUAAAAFAAAAAEAAAAAAAAAZAAAAGQAAAAAAAAAZAAAAGQAAAAVAAAAYAAAAAAAAAAAAAAADwAAACADAAAAAAAAAAAAAAEAAACgMgAAVgcAAKr4//8BAAAAf39/AAEAAABkAAAAAAAAABQAAABAHwAAAAAAACYAAAAAAAAAwOD//wAAAAAmAAAAZAAAABYAAABMAAAAAAAAAAAAAAAEAAAAAAAAAAEAAACAgIAKAAAAACgAAAAoAAAAZAAAAGQAAAAAAAAAzMzMAAAAAABQAAAAUAAAAGQAAABkAAAAAAAAABcAAAAUAAAAAAAAAAAAAAD/fwAA/38AAAAAAAAJAAAABAAAAAAAAAAeAAAAaAAAAAAAAAAAAAAAAAAAAAAAAAAAAAAAECcAABAnAAAAAAAAAAAAAAAAAAAAAAAAAAAAAAAAAAAAAAAAAAAAABQAAAAAAAAAwMD/AAAAAABkAAAAMgAAAAAAAABkAAAAAAAAAH9/fwAKAAAAIgAAABgAAAAAAAAAAAAAAAAAAAAAAAAAAAAAAAAAAAAkAAAAJAAAAAAAAAAHAAAAAAAAAAAAAAAAAAAAAAAAAAAAAAAAAAAAf39/ACUAAABYAAAAAAAAAAAAAAAAAAAAAAAAAAAAAAAAAAAAAAAAAAAAAAAAAAAAAAAAAAAAAAA/AAAAAAAAAKCGAQAAAAAAAAAAAAAAAAAMAAAAAQAAAAAAAAAAAAAAAAAAAB8AAABUAAAAAAAABQAAAAEAAAAAAAAAAAAAAAAAAAAAAAAAAAAAAAAAAAAAAAAAAAAAAAJ/f38AAAAAA8zMzADAwP8Af39/AAAAAAAAAAAAAAAAAAAAAAAAAAAAIQAAABgAAAAUAAAAwTUAABsnAABARwAAWSkAABAAAAAmAAAACAAAAAAAAAAAAAAA"/>
+                <pr:smNativeData xmlns:mc="http://schemas.openxmlformats.org/markup-compatibility/2006" xmlns:p14="http://schemas.microsoft.com/office/powerpoint/2010/main" xmlns:p15="http://schemas.microsoft.com/office/powerpoint/2012/main" xmlns:pr="smNativeData" xmlns="smNativeData" val="SMDATA_15_PhJKaRMAAAAlAAAAZAAAAA0AAAAAkAAAAEgAAACQAAAASAAAAAAAAAABAAAAAAAAAAEAAABQAAAAAAAAAAAA4D8AAAAAAADgPwAAAAAAAOA/AAAAAAAA4D8AAAAAAADgPwAAAAAAAOA/AAAAAAAA4D8AAAAAAADgPwAAAAAAAOA/AAAAAAAA4D8CAAAAjAAAAAAAAAAAAAAAu+DjDP///wgAAAAAAAAAAAAAAAAAAAAAAAAAAAAAAAAAAAAAZAAAAAEAAABAAAAAAAAAAAAAAAAAAAAAAAAAAAAAAAAAAAAAAAAAAAAAAAAAAAAAAAAAAAAAAAAAAAAAAAAAAAAAAAAAAAAAAAAAAAAAAAAAAAAAAAAAAAAAAAAAAAAAFAAAADwAAAAAAAAAAAAAAAAAAAkUAAAAAQAAABQAAAAUAAAAFAAAAAEAAAAAAAAAZAAAAGQAAAAAAAAAZAAAAGQAAAAVAAAAYAAAAAAAAAAAAAAADwAAACADAAAAAAAAAAAAAAEAAACgMgAAVgcAAKr4//8BAAAAf39/AAEAAABkAAAAAAAAABQAAABAHwAAAAAAACYAAAAAAAAAwOD//wAAAAAmAAAAZAAAABYAAABMAAAAAAAAAAAAAAAEAAAAAAAAAAEAAACAgIAKAAAAACgAAAAoAAAAZAAAAGQAAAAAAAAAzMzMAAAAAABQAAAAUAAAAGQAAABkAAAAAAAAABcAAAAUAAAAAAAAAAAAAAD/fwAA/38AAAAAAAAJAAAABAAAAAAAAAAeAAAAaAAAAAAAAAAAAAAAAAAAAAAAAAAAAAAAECcAABAnAAAAAAAAAAAAAAAAAAAAAAAAAAAAAAAAAAAAAAAAAAAAABQAAAAAAAAAwMD/AAAAAABkAAAAMgAAAAAAAABkAAAAAAAAAH9/fwAKAAAAIgAAABgAAAAAAAAAAAAAAAAAAAAAAAAAAAAAAAAAAAAkAAAAJAAAAAAAAAAHAAAAAAAAAAAAAAAAAAAAAAAAAAAAAAAAAAAAf39/ACUAAABYAAAAAAAAAAAAAAAAAAAAAAAAAAAAAAAAAAAAAAAAAAAAAAAAAAAAAAAAAAAAAAA/AAAAAAAAAKCGAQAAAAAAAAAAAAAAAAAMAAAAAQAAAAAAAAAAAAAAAAAAAB8AAABUAAAAAAAABQAAAAEAAAAAAAAAAAAAAAAAAAAAAAAAAAAAAAAAAAAAAAAAAAAAAAJ/f38AAAAAA8zMzADAwP8Af39/AAAAAAAAAAAAAAAAAAAAAAAAAAAAIQAAABgAAAAUAAAAwTUAABsnAABARwAAWSkAABAAAAAmAAAACAAAAAAAAAAAAAAA"/>
               </a:ext>
             </a:extLst>
           </p:cNvSpPr>
@@ -974,10 +988,10 @@
           <a:bodyPr/>
           <a:lstStyle/>
           <a:p>
-            <a:pPr/>
             <a:fld id="{0CA7DD58-16E1-F22B-AF1F-E07E935159B5}" type="slidenum">
-              <a:t/>
+              <a:t>‹#›</a:t>
             </a:fld>
+            <a:endParaRPr/>
           </a:p>
         </p:txBody>
       </p:sp>
@@ -991,7 +1005,7 @@
 </file>
 
 <file path=ppt/slideLayouts/slideLayout3.xml><?xml version="1.0" encoding="utf-8"?>
-<p:sldLayout xmlns:p="http://schemas.openxmlformats.org/presentationml/2006/main" xmlns:mc="http://schemas.openxmlformats.org/markup-compatibility/2006" xmlns:p14="http://schemas.microsoft.com/office/powerpoint/2010/main" xmlns:p15="http://schemas.microsoft.com/office/powerpoint/2012/main" xmlns:r="http://schemas.openxmlformats.org/officeDocument/2006/relationships" xmlns:a="http://schemas.openxmlformats.org/drawingml/2006/main" type="secHead">
+<p:sldLayout xmlns:a="http://schemas.openxmlformats.org/drawingml/2006/main" xmlns:r="http://schemas.openxmlformats.org/officeDocument/2006/relationships" xmlns:p="http://schemas.openxmlformats.org/presentationml/2006/main" type="secHead">
   <p:cSld name="Section header">
     <p:spTree>
       <p:nvGrpSpPr>
@@ -1014,7 +1028,7 @@
             <a:spLocks noGrp="1" noChangeArrowheads="1"/>
             <a:extLst>
               <a:ext uri="smNativeData">
-                <pr:smNativeData xmlns:pr="smNativeData" xmlns="smNativeData" val="SMDATA_15_PhJKaRMAAAAlAAAAZAAAAA0AAAAAkAAAAEgAAACQAAAASAAAAAAAAAAAAAAAAAAAAAEAAABQAAAAAAAAAAAA4D8AAAAAAADgPwAAAAAAAOA/AAAAAAAA4D8AAAAAAADgPwAAAAAAAOA/AAAAAAAA4D8AAAAAAADgPwAAAAAAAOA/AAAAAAAA4D8CAAAAjAAAAAAAAAAAAAAAu+DjDP///wgAAAAAAAAAAAAAAAAAAAAAAAAAAAAAAAAAAAAAZAAAAAEAAABAAAAAAAAAAAAAAAAAAAAAAAAAAAAAAAAAAAAAAAAAAAAAAAAAAAAAAAAAAAAAAAAAAAAAAAAAAAAAAAAAAAAAAAAAAAAAAAAAAAAAAAAAAAAAAAAAAAAAFAAAADwAAAAAAAAAAAAAAAAAAAkUAAAAAQAAABQAAAAUAAAAFAAAAAEAAAAAAAAAZAAAAGQAAAAAAAAAZAAAAGQAAAAVAAAAYAAAAAAAAAAAAAAADwAAACADAAAAAAAAAAAAAAEAAACgMgAAVgcAAKr4//8BAAAAf39/AAEAAABkAAAAAAAAABQAAABAHwAAAAAAACYAAAAAAAAAwOD//wAAAAAmAAAAZAAAABYAAABMAAAAAAAAAAAAAAAEAAAAAAAAAAEAAACAgIAKAAAAACgAAAAoAAAAZAAAAGQAAAAAAAAAzMzMAAAAAABQAAAAUAAAAGQAAABkAAAAAAAAABcAAAAUAAAAAAAAAAAAAAD/fwAA/38AAAAAAAAJAAAABAAAAAAAAAAeAAAAaAAAAAAAAAAAAAAAAAAAAAAAAAAAAAAAECcAABAnAAAAAAAAAAAAAAAAAAAAAAAAAAAAAAAAAAAAAAAAAAAAABQAAAAAAAAAwMD/AAAAAABkAAAAMgAAAAAAAABkAAAAAAAAAH9/fwAKAAAAIgAAABgAAAAAAAAAAAAAAAAAAAAAAAAAAAAAAAAAAAAkAAAAJAAAAAAAAAAHAAAAAAAAAAAAAAAAAAAAAAAAAAAAAAAAAAAAf39/ACUAAABYAAAAAAAAAAAAAAAAAAAAAAAAAAAAAAAAAAAAAAAAAAAAAAAAAAAAAAAAAAAAAAA/AAAAAAAAAKCGAQAAAAAAAAAAAAAAAAAMAAAAAQAAAAAAAAAAAAAAAAAAAB8AAABUAAAAAAAABQAAAAEAAAAAAAAAAAAAAAAAAAAAAAAAAAAAAAAAAAAAAAAAAAAAAAJ/f38AAAAAA8zMzADAwP8Af39/AAAAAAAAAAAAAAAAAAAAAAAAAAAAIQAAABgAAAAUAAAA7QUAABwbAACtRQAAfSMAABAAAAAmAAAACAAAAIGQAAAAAAAA"/>
+                <pr:smNativeData xmlns:mc="http://schemas.openxmlformats.org/markup-compatibility/2006" xmlns:p14="http://schemas.microsoft.com/office/powerpoint/2010/main" xmlns:p15="http://schemas.microsoft.com/office/powerpoint/2012/main" xmlns:pr="smNativeData" xmlns="smNativeData" val="SMDATA_15_PhJKaRMAAAAlAAAAZAAAAA0AAAAAkAAAAEgAAACQAAAASAAAAAAAAAAAAAAAAAAAAAEAAABQAAAAAAAAAAAA4D8AAAAAAADgPwAAAAAAAOA/AAAAAAAA4D8AAAAAAADgPwAAAAAAAOA/AAAAAAAA4D8AAAAAAADgPwAAAAAAAOA/AAAAAAAA4D8CAAAAjAAAAAAAAAAAAAAAu+DjDP///wgAAAAAAAAAAAAAAAAAAAAAAAAAAAAAAAAAAAAAZAAAAAEAAABAAAAAAAAAAAAAAAAAAAAAAAAAAAAAAAAAAAAAAAAAAAAAAAAAAAAAAAAAAAAAAAAAAAAAAAAAAAAAAAAAAAAAAAAAAAAAAAAAAAAAAAAAAAAAAAAAAAAAFAAAADwAAAAAAAAAAAAAAAAAAAkUAAAAAQAAABQAAAAUAAAAFAAAAAEAAAAAAAAAZAAAAGQAAAAAAAAAZAAAAGQAAAAVAAAAYAAAAAAAAAAAAAAADwAAACADAAAAAAAAAAAAAAEAAACgMgAAVgcAAKr4//8BAAAAf39/AAEAAABkAAAAAAAAABQAAABAHwAAAAAAACYAAAAAAAAAwOD//wAAAAAmAAAAZAAAABYAAABMAAAAAAAAAAAAAAAEAAAAAAAAAAEAAACAgIAKAAAAACgAAAAoAAAAZAAAAGQAAAAAAAAAzMzMAAAAAABQAAAAUAAAAGQAAABkAAAAAAAAABcAAAAUAAAAAAAAAAAAAAD/fwAA/38AAAAAAAAJAAAABAAAAAAAAAAeAAAAaAAAAAAAAAAAAAAAAAAAAAAAAAAAAAAAECcAABAnAAAAAAAAAAAAAAAAAAAAAAAAAAAAAAAAAAAAAAAAAAAAABQAAAAAAAAAwMD/AAAAAABkAAAAMgAAAAAAAABkAAAAAAAAAH9/fwAKAAAAIgAAABgAAAAAAAAAAAAAAAAAAAAAAAAAAAAAAAAAAAAkAAAAJAAAAAAAAAAHAAAAAAAAAAAAAAAAAAAAAAAAAAAAAAAAAAAAf39/ACUAAABYAAAAAAAAAAAAAAAAAAAAAAAAAAAAAAAAAAAAAAAAAAAAAAAAAAAAAAAAAAAAAAA/AAAAAAAAAKCGAQAAAAAAAAAAAAAAAAAMAAAAAQAAAAAAAAAAAAAAAAAAAB8AAABUAAAAAAAABQAAAAEAAAAAAAAAAAAAAAAAAAAAAAAAAAAAAAAAAAAAAAAAAAAAAAJ/f38AAAAAA8zMzADAwP8Af39/AAAAAAAAAAAAAAAAAAAAAAAAAAAAIQAAABgAAAAUAAAA7QUAABwbAACtRQAAfSMAABAAAAAmAAAACAAAAIGQAAAAAAAA"/>
               </a:ext>
             </a:extLst>
           </p:cNvSpPr>
@@ -1040,7 +1054,6 @@
             </a:lvl1pPr>
           </a:lstStyle>
           <a:p>
-            <a:pPr/>
             <a:r>
               <a:t>Click to edit Master title style</a:t>
             </a:r>
@@ -1054,7 +1067,7 @@
             <a:spLocks noGrp="1" noChangeArrowheads="1"/>
             <a:extLst>
               <a:ext uri="smNativeData">
-                <pr:smNativeData xmlns:pr="smNativeData" xmlns="smNativeData" val="SMDATA_15_PhJKaRMAAAAlAAAAZAAAAA0AAAAAkAAAAEgAAACQAAAASAAAAAAAAAACAAAAAAAAAAEAAABQAAAAAAAAAAAA4D8AAAAAAADgPwAAAAAAAOA/AAAAAAAA4D8AAAAAAADgPwAAAAAAAOA/AAAAAAAA4D8AAAAAAADgPwAAAAAAAOA/AAAAAAAA4D8CAAAAjAAAAAAAAAAAAAAAu+DjDP///wgAAAAAAAAAAAAAAAAAAAAAAAAAAAAAAAAAAAAAZAAAAAEAAABAAAAAAAAAAAAAAAAAAAAAAAAAAAAAAAAAAAAAAAAAAAAAAAAAAAAAAAAAAAAAAAAAAAAAAAAAAAAAAAAAAAAAAAAAAAAAAAAAAAAAAAAAAAAAAAAAAAAAFAAAADwAAAAAAAAAAAAAAAAAAAkUAAAAAQAAABQAAAAUAAAAFAAAAAEAAAAAAAAAZAAAAGQAAAAAAAAAZAAAAGQAAAAVAAAAYAAAAAAAAAAAAAAADwAAACADAAAAAAAAAAAAAAEAAACgMgAAVgcAAKr4//8BAAAAf39/AAEAAABkAAAAAAAAABQAAABAHwAAAAAAACYAAAAAAAAAwOD//wAAAAAmAAAAZAAAABYAAABMAAAAAAAAAAAAAAAEAAAAAAAAAAEAAACAgIAKAAAAACgAAAAoAAAAZAAAAGQAAAAAAAAAzMzMAAAAAABQAAAAUAAAAGQAAABkAAAAAAAAABcAAAAUAAAAAAAAAAAAAAD/fwAA/38AAAAAAAAJAAAABAAAAJaoyw4eAAAAaAAAAAAAAAAAAAAAAAAAAAAAAAAAAAAAECcAABAnAAAAAAAAAAAAAAAAAAAAAAAAAAAAAAAAAAAAAAAAAAAAABQAAAAAAAAAwMD/AAAAAABkAAAAMgAAAAAAAABkAAAAAAAAAH9/fwAKAAAAIgAAABgAAAAAAAAAAAAAAAAAAAAAAAAAAAAAAAAAAAAkAAAAJAAAAAAAAAAHAAAAAAAAAAAAAAAAAAAAAAAAAAAAAAAAAAAAf39/ACUAAABYAAAAAAAAAAAAAAAAAAAAAAAAAAAAAAAAAAAAAAAAAAAAAAAAAAAAAAAAAAAAAAA/AAAAAAAAAKCGAQAAAAAAAAAAAAAAAAAMAAAAAQAAAAAAAAAAAAAAAAAAAB8AAABUAAAAAAAABQAAAAEAAAAAAAAAAAAAAAAAAAAAAAAAAAAAAAAAAAAAAAAAAAAAAAJ/f38AAAAAA8zMzADAwP8Af39/AAAAAAAAAAAAAAAAAAAAAAAAAAAAIQAAABgAAAAUAAAA7QUAAOERAACtRQAAHBsAABAAAAAmAAAACAAAAIGQAAAAAAAA"/>
+                <pr:smNativeData xmlns:mc="http://schemas.openxmlformats.org/markup-compatibility/2006" xmlns:p14="http://schemas.microsoft.com/office/powerpoint/2010/main" xmlns:p15="http://schemas.microsoft.com/office/powerpoint/2012/main" xmlns:pr="smNativeData" xmlns="smNativeData" val="SMDATA_15_PhJKaRMAAAAlAAAAZAAAAA0AAAAAkAAAAEgAAACQAAAASAAAAAAAAAACAAAAAAAAAAEAAABQAAAAAAAAAAAA4D8AAAAAAADgPwAAAAAAAOA/AAAAAAAA4D8AAAAAAADgPwAAAAAAAOA/AAAAAAAA4D8AAAAAAADgPwAAAAAAAOA/AAAAAAAA4D8CAAAAjAAAAAAAAAAAAAAAu+DjDP///wgAAAAAAAAAAAAAAAAAAAAAAAAAAAAAAAAAAAAAZAAAAAEAAABAAAAAAAAAAAAAAAAAAAAAAAAAAAAAAAAAAAAAAAAAAAAAAAAAAAAAAAAAAAAAAAAAAAAAAAAAAAAAAAAAAAAAAAAAAAAAAAAAAAAAAAAAAAAAAAAAAAAAFAAAADwAAAAAAAAAAAAAAAAAAAkUAAAAAQAAABQAAAAUAAAAFAAAAAEAAAAAAAAAZAAAAGQAAAAAAAAAZAAAAGQAAAAVAAAAYAAAAAAAAAAAAAAADwAAACADAAAAAAAAAAAAAAEAAACgMgAAVgcAAKr4//8BAAAAf39/AAEAAABkAAAAAAAAABQAAABAHwAAAAAAACYAAAAAAAAAwOD//wAAAAAmAAAAZAAAABYAAABMAAAAAAAAAAAAAAAEAAAAAAAAAAEAAACAgIAKAAAAACgAAAAoAAAAZAAAAGQAAAAAAAAAzMzMAAAAAABQAAAAUAAAAGQAAABkAAAAAAAAABcAAAAUAAAAAAAAAAAAAAD/fwAA/38AAAAAAAAJAAAABAAAAJaoyw4eAAAAaAAAAAAAAAAAAAAAAAAAAAAAAAAAAAAAECcAABAnAAAAAAAAAAAAAAAAAAAAAAAAAAAAAAAAAAAAAAAAAAAAABQAAAAAAAAAwMD/AAAAAABkAAAAMgAAAAAAAABkAAAAAAAAAH9/fwAKAAAAIgAAABgAAAAAAAAAAAAAAAAAAAAAAAAAAAAAAAAAAAAkAAAAJAAAAAAAAAAHAAAAAAAAAAAAAAAAAAAAAAAAAAAAAAAAAAAAf39/ACUAAABYAAAAAAAAAAAAAAAAAAAAAAAAAAAAAAAAAAAAAAAAAAAAAAAAAAAAAAAAAAAAAAA/AAAAAAAAAKCGAQAAAAAAAAAAAAAAAAAMAAAAAQAAAAAAAAAAAAAAAAAAAB8AAABUAAAAAAAABQAAAAEAAAAAAAAAAAAAAAAAAAAAAAAAAAAAAAAAAAAAAAAAAAAAAAJ/f38AAAAAA8zMzADAwP8Af39/AAAAAAAAAAAAAAAAAAAAAAAAAAAAIQAAABgAAAAUAAAA7QUAAOERAACtRQAAHBsAABAAAAAmAAAACAAAAIGQAAAAAAAA"/>
               </a:ext>
             </a:extLst>
           </p:cNvSpPr>
@@ -1113,7 +1126,6 @@
             </a:lvl9pPr>
           </a:lstStyle>
           <a:p>
-            <a:pPr/>
             <a:r>
               <a:t>Click to edit Master text styles</a:t>
             </a:r>
@@ -1127,7 +1139,7 @@
             <a:spLocks noGrp="1" noChangeArrowheads="1"/>
             <a:extLst>
               <a:ext uri="smNativeData">
-                <pr:smNativeData xmlns:pr="smNativeData" xmlns="smNativeData" val="SMDATA_15_PhJKaRMAAAAlAAAAZAAAAA0AAAAAkAAAAEgAAACQAAAASAAAAAAAAAABAAAAAAAAAAEAAABQAAAAAAAAAAAA4D8AAAAAAADgPwAAAAAAAOA/AAAAAAAA4D8AAAAAAADgPwAAAAAAAOA/AAAAAAAA4D8AAAAAAADgPwAAAAAAAOA/AAAAAAAA4D8CAAAAjAAAAAAAAAAAAAAAu+DjDP///wgAAAAAAAAAAAAAAAAAAAAAAAAAAAAAAAAAAAAAZAAAAAEAAABAAAAAAAAAAAAAAAAAAAAAAAAAAAAAAAAAAAAAAAAAAAAAAAAAAAAAAAAAAAAAAAAAAAAAAAAAAAAAAAAAAAAAAAAAAAAAAAAAAAAAAAAAAAAAAAAAAAAAFAAAADwAAAAAAAAAAAAAAAAAAAkUAAAAAQAAABQAAAAUAAAAFAAAAAEAAAAAAAAAZAAAAGQAAAAAAAAAZAAAAGQAAAAVAAAAYAAAAAAAAAAAAAAADwAAACADAAAAAAAAAAAAAAEAAACgMgAAVgcAAKr4//8BAAAAf39/AAEAAABkAAAAAAAAABQAAABAHwAAAAAAACYAAAAAAAAAwOD//wAAAAAmAAAAZAAAABYAAABMAAAAAAAAAAAAAAAEAAAAAAAAAAEAAACAgIAKAAAAACgAAAAoAAAAZAAAAGQAAAAAAAAAzMzMAAAAAABQAAAAUAAAAGQAAABkAAAAAAAAABcAAAAUAAAAAAAAAAAAAAD/fwAA/38AAAAAAAAJAAAABAAAACEAAAAeAAAAaAAAAAAAAAAAAAAAAAAAAAAAAAAAAAAAECcAABAnAAAAAAAAAAAAAAAAAAAAAAAAAAAAAAAAAAAAAAAAAAAAABQAAAAAAAAAwMD/AAAAAABkAAAAMgAAAAAAAABkAAAAAAAAAH9/fwAKAAAAIgAAABgAAAAAAAAAAAAAAAAAAAAAAAAAAAAAAAAAAAAkAAAAJAAAAAAAAAAHAAAAAAAAAAAAAAAAAAAAAAAAAAAAAAAAAAAAf39/ACUAAABYAAAAAAAAAAAAAAAAAAAAAAAAAAAAAAAAAAAAAAAAAAAAAAAAAAAAAAAAAAAAAAA/AAAAAAAAAKCGAQAAAAAAAAAAAAAAAAAMAAAAAQAAAAAAAAAAAAAAAAAAAB8AAABUAAAAAAAABQAAAAEAAAAAAAAAAAAAAAAAAAAAAAAAAAAAAAAAAAAAAAAAAAAAAAJ/f38AAAAAA8zMzADAwP8Af39/AAAAAAAAAAAAAAAAAAAAAAAAAAAAIQAAABgAAAAUAAAAwAMAABsnAAA/FQAAWSkAABAAAAAmAAAACAAAAAAAAAAAAAAA"/>
+                <pr:smNativeData xmlns:mc="http://schemas.openxmlformats.org/markup-compatibility/2006" xmlns:p14="http://schemas.microsoft.com/office/powerpoint/2010/main" xmlns:p15="http://schemas.microsoft.com/office/powerpoint/2012/main" xmlns:pr="smNativeData" xmlns="smNativeData" val="SMDATA_15_PhJKaRMAAAAlAAAAZAAAAA0AAAAAkAAAAEgAAACQAAAASAAAAAAAAAABAAAAAAAAAAEAAABQAAAAAAAAAAAA4D8AAAAAAADgPwAAAAAAAOA/AAAAAAAA4D8AAAAAAADgPwAAAAAAAOA/AAAAAAAA4D8AAAAAAADgPwAAAAAAAOA/AAAAAAAA4D8CAAAAjAAAAAAAAAAAAAAAu+DjDP///wgAAAAAAAAAAAAAAAAAAAAAAAAAAAAAAAAAAAAAZAAAAAEAAABAAAAAAAAAAAAAAAAAAAAAAAAAAAAAAAAAAAAAAAAAAAAAAAAAAAAAAAAAAAAAAAAAAAAAAAAAAAAAAAAAAAAAAAAAAAAAAAAAAAAAAAAAAAAAAAAAAAAAFAAAADwAAAAAAAAAAAAAAAAAAAkUAAAAAQAAABQAAAAUAAAAFAAAAAEAAAAAAAAAZAAAAGQAAAAAAAAAZAAAAGQAAAAVAAAAYAAAAAAAAAAAAAAADwAAACADAAAAAAAAAAAAAAEAAACgMgAAVgcAAKr4//8BAAAAf39/AAEAAABkAAAAAAAAABQAAABAHwAAAAAAACYAAAAAAAAAwOD//wAAAAAmAAAAZAAAABYAAABMAAAAAAAAAAAAAAAEAAAAAAAAAAEAAACAgIAKAAAAACgAAAAoAAAAZAAAAGQAAAAAAAAAzMzMAAAAAABQAAAAUAAAAGQAAABkAAAAAAAAABcAAAAUAAAAAAAAAAAAAAD/fwAA/38AAAAAAAAJAAAABAAAACEAAAAeAAAAaAAAAAAAAAAAAAAAAAAAAAAAAAAAAAAAECcAABAnAAAAAAAAAAAAAAAAAAAAAAAAAAAAAAAAAAAAAAAAAAAAABQAAAAAAAAAwMD/AAAAAABkAAAAMgAAAAAAAABkAAAAAAAAAH9/fwAKAAAAIgAAABgAAAAAAAAAAAAAAAAAAAAAAAAAAAAAAAAAAAAkAAAAJAAAAAAAAAAHAAAAAAAAAAAAAAAAAAAAAAAAAAAAAAAAAAAAf39/ACUAAABYAAAAAAAAAAAAAAAAAAAAAAAAAAAAAAAAAAAAAAAAAAAAAAAAAAAAAAAAAAAAAAA/AAAAAAAAAKCGAQAAAAAAAAAAAAAAAAAMAAAAAQAAAAAAAAAAAAAAAAAAAB8AAABUAAAAAAAABQAAAAEAAAAAAAAAAAAAAAAAAAAAAAAAAAAAAAAAAAAAAAAAAAAAAAJ/f38AAAAAA8zMzADAwP8Af39/AAAAAAAAAAAAAAAAAAAAAAAAAAAAIQAAABgAAAAUAAAAwAMAABsnAAA/FQAAWSkAABAAAAAmAAAACAAAAAAAAAAAAAAA"/>
               </a:ext>
             </a:extLst>
           </p:cNvSpPr>
@@ -1140,10 +1152,10 @@
           <a:bodyPr/>
           <a:lstStyle/>
           <a:p>
-            <a:pPr/>
             <a:fld id="{0CA7866B-25E1-F270-AF1F-D325C8515986}" type="datetime1">
-              <a:t>12/16/2025</a:t>
+              <a:t>12/29/2025</a:t>
             </a:fld>
+            <a:endParaRPr/>
           </a:p>
         </p:txBody>
       </p:sp>
@@ -1154,7 +1166,7 @@
             <a:spLocks noGrp="1" noChangeArrowheads="1"/>
             <a:extLst>
               <a:ext uri="smNativeData">
-                <pr:smNativeData xmlns:pr="smNativeData" xmlns="smNativeData" val="SMDATA_15_PhJKaRMAAAAlAAAAZAAAAA0AAAAAkAAAAEgAAACQAAAASAAAAAAAAAABAAAAAAAAAAEAAABQAAAAAAAAAAAA4D8AAAAAAADgPwAAAAAAAOA/AAAAAAAA4D8AAAAAAADgPwAAAAAAAOA/AAAAAAAA4D8AAAAAAADgPwAAAAAAAOA/AAAAAAAA4D8CAAAAjAAAAAAAAAAAAAAAu+DjDP///wgAAAAAAAAAAAAAAAAAAAAAAAAAAAAAAAAAAAAAZAAAAAEAAABAAAAAAAAAAAAAAAAAAAAAAAAAAAAAAAAAAAAAAAAAAAAAAAAAAAAAAAAAAAAAAAAAAAAAAAAAAAAAAAAAAAAAAAAAAAAAAAAAAAAAAAAAAAAAAAAAAAAAFAAAADwAAAAAAAAAAAAAAAAAAAkUAAAAAQAAABQAAAAUAAAAFAAAAAEAAAAAAAAAZAAAAGQAAAAAAAAAZAAAAGQAAAAVAAAAYAAAAAAAAAAAAAAADwAAACADAAAAAAAAAAAAAAEAAACgMgAAVgcAAKr4//8BAAAAf39/AAEAAABkAAAAAAAAABQAAABAHwAAAAAAACYAAAAAAAAAwOD//wAAAAAmAAAAZAAAABYAAABMAAAAAAAAAAAAAAAEAAAAAAAAAAEAAACAgIAKAAAAACgAAAAoAAAAZAAAAGQAAAAAAAAAzMzMAAAAAABQAAAAUAAAAGQAAABkAAAAAAAAABcAAAAUAAAAAAAAAAAAAAD/fwAA/38AAAAAAAAJAAAABAAAAAAAAAAeAAAAaAAAAAAAAAAAAAAAAAAAAAAAAAAAAAAAECcAABAnAAAAAAAAAAAAAAAAAAAAAAAAAAAAAAAAAAAAAAAAAAAAABQAAAAAAAAAwMD/AAAAAABkAAAAMgAAAAAAAABkAAAAAAAAAH9/fwAKAAAAIgAAABgAAAAAAAAAAAAAAAAAAAAAAAAAAAAAAAAAAAAkAAAAJAAAAAAAAAAHAAAAAAAAAAAAAAAAAAAAAAAAAAAAAAAAAAAAf39/ACUAAABYAAAAAAAAAAAAAAAAAAAAAAAAAAAAAAAAAAAAAAAAAAAAAAAAAAAAAAAAAAAAAAA/AAAAAAAAAKCGAQAAAAAAAAAAAAAAAAAMAAAAAQAAAAAAAAAAAAAAAAAAAB8AAABUAAAAAAAABQAAAAEAAAAAAAAAAAAAAAAAAAAAAAAAAAAAAAAAAAAAAAAAAAAAAAJ/f38AAAAAA8zMzADAwP8Af39/AAAAAAAAAAAAAAAAAAAAAAAAAAAAIQAAABgAAAAUAAAAoRkAABsnAABfMQAAWSkAABAAAAAmAAAACAAAAAAAAAAAAAAA"/>
+                <pr:smNativeData xmlns:mc="http://schemas.openxmlformats.org/markup-compatibility/2006" xmlns:p14="http://schemas.microsoft.com/office/powerpoint/2010/main" xmlns:p15="http://schemas.microsoft.com/office/powerpoint/2012/main" xmlns:pr="smNativeData" xmlns="smNativeData" val="SMDATA_15_PhJKaRMAAAAlAAAAZAAAAA0AAAAAkAAAAEgAAACQAAAASAAAAAAAAAABAAAAAAAAAAEAAABQAAAAAAAAAAAA4D8AAAAAAADgPwAAAAAAAOA/AAAAAAAA4D8AAAAAAADgPwAAAAAAAOA/AAAAAAAA4D8AAAAAAADgPwAAAAAAAOA/AAAAAAAA4D8CAAAAjAAAAAAAAAAAAAAAu+DjDP///wgAAAAAAAAAAAAAAAAAAAAAAAAAAAAAAAAAAAAAZAAAAAEAAABAAAAAAAAAAAAAAAAAAAAAAAAAAAAAAAAAAAAAAAAAAAAAAAAAAAAAAAAAAAAAAAAAAAAAAAAAAAAAAAAAAAAAAAAAAAAAAAAAAAAAAAAAAAAAAAAAAAAAFAAAADwAAAAAAAAAAAAAAAAAAAkUAAAAAQAAABQAAAAUAAAAFAAAAAEAAAAAAAAAZAAAAGQAAAAAAAAAZAAAAGQAAAAVAAAAYAAAAAAAAAAAAAAADwAAACADAAAAAAAAAAAAAAEAAACgMgAAVgcAAKr4//8BAAAAf39/AAEAAABkAAAAAAAAABQAAABAHwAAAAAAACYAAAAAAAAAwOD//wAAAAAmAAAAZAAAABYAAABMAAAAAAAAAAAAAAAEAAAAAAAAAAEAAACAgIAKAAAAACgAAAAoAAAAZAAAAGQAAAAAAAAAzMzMAAAAAABQAAAAUAAAAGQAAABkAAAAAAAAABcAAAAUAAAAAAAAAAAAAAD/fwAA/38AAAAAAAAJAAAABAAAAAAAAAAeAAAAaAAAAAAAAAAAAAAAAAAAAAAAAAAAAAAAECcAABAnAAAAAAAAAAAAAAAAAAAAAAAAAAAAAAAAAAAAAAAAAAAAABQAAAAAAAAAwMD/AAAAAABkAAAAMgAAAAAAAABkAAAAAAAAAH9/fwAKAAAAIgAAABgAAAAAAAAAAAAAAAAAAAAAAAAAAAAAAAAAAAAkAAAAJAAAAAAAAAAHAAAAAAAAAAAAAAAAAAAAAAAAAAAAAAAAAAAAf39/ACUAAABYAAAAAAAAAAAAAAAAAAAAAAAAAAAAAAAAAAAAAAAAAAAAAAAAAAAAAAAAAAAAAAA/AAAAAAAAAKCGAQAAAAAAAAAAAAAAAAAMAAAAAQAAAAAAAAAAAAAAAAAAAB8AAABUAAAAAAAABQAAAAEAAAAAAAAAAAAAAAAAAAAAAAAAAAAAAAAAAAAAAAAAAAAAAAJ/f38AAAAAA8zMzADAwP8Af39/AAAAAAAAAAAAAAAAAAAAAAAAAAAAIQAAABgAAAAUAAAAoRkAABsnAABfMQAAWSkAABAAAAAmAAAACAAAAAAAAAAAAAAA"/>
               </a:ext>
             </a:extLst>
           </p:cNvSpPr>
@@ -1167,7 +1179,7 @@
           <a:bodyPr/>
           <a:lstStyle/>
           <a:p>
-            <a:pPr/>
+            <a:endParaRPr/>
           </a:p>
         </p:txBody>
       </p:sp>
@@ -1178,7 +1190,7 @@
             <a:spLocks noGrp="1" noChangeArrowheads="1"/>
             <a:extLst>
               <a:ext uri="smNativeData">
-                <pr:smNativeData xmlns:pr="smNativeData" xmlns="smNativeData" val="SMDATA_15_PhJKaRMAAAAlAAAAZAAAAA0AAAAAkAAAAEgAAACQAAAASAAAAAAAAAABAAAAAAAAAAEAAABQAAAAAAAAAAAA4D8AAAAAAADgPwAAAAAAAOA/AAAAAAAA4D8AAAAAAADgPwAAAAAAAOA/AAAAAAAA4D8AAAAAAADgPwAAAAAAAOA/AAAAAAAA4D8CAAAAjAAAAAAAAAAAAAAAu+DjDP///wgAAAAAAAAAAAAAAAAAAAAAAAAAAAAAAAAAAAAAZAAAAAEAAABAAAAAAAAAAAAAAAAAAAAAAAAAAAAAAAAAAAAAAAAAAAAAAAAAAAAAAAAAAAAAAAAAAAAAAAAAAAAAAAAAAAAAAAAAAAAAAAAAAAAAAAAAAAAAAAAAAAAAFAAAADwAAAAAAAAAAAAAAAAAAAkUAAAAAQAAABQAAAAUAAAAFAAAAAEAAAAAAAAAZAAAAGQAAAAAAAAAZAAAAGQAAAAVAAAAYAAAAAAAAAAAAAAADwAAACADAAAAAAAAAAAAAAEAAACgMgAAVgcAAKr4//8BAAAAf39/AAEAAABkAAAAAAAAABQAAABAHwAAAAAAACYAAAAAAAAAwOD//wAAAAAmAAAAZAAAABYAAABMAAAAAAAAAAAAAAAEAAAAAAAAAAEAAACAgIAKAAAAACgAAAAoAAAAZAAAAGQAAAAAAAAAzMzMAAAAAABQAAAAUAAAAGQAAABkAAAAAAAAABcAAAAUAAAAAAAAAAAAAAD/fwAA/38AAAAAAAAJAAAABAAAAEAoWAweAAAAaAAAAAAAAAAAAAAAAAAAAAAAAAAAAAAAECcAABAnAAAAAAAAAAAAAAAAAAAAAAAAAAAAAAAAAAAAAAAAAAAAABQAAAAAAAAAwMD/AAAAAABkAAAAMgAAAAAAAABkAAAAAAAAAH9/fwAKAAAAIgAAABgAAAAAAAAAAAAAAAAAAAAAAAAAAAAAAAAAAAAkAAAAJAAAAAAAAAAHAAAAAAAAAAAAAAAAAAAAAAAAAAAAAAAAAAAAf39/ACUAAABYAAAAAAAAAAAAAAAAAAAAAAAAAAAAAAAAAAAAAAAAAAAAAAAAAAAAAAAAAAAAAAA/AAAAAAAAAKCGAQAAAAAAAAAAAAAAAAAMAAAAAQAAAAAAAAAAAAAAAAAAAB8AAABUAAAAAAAABQAAAAEAAAAAAAAAAAAAAAAAAAAAAAAAAAAAAAAAAAAAAAAAAAAAAAJ/f38AAAAAA8zMzADAwP8Af39/AAAAAAAAAAAAAAAAAAAAAAAAAAAAIQAAABgAAAAUAAAAwTUAABsnAABARwAAWSkAABAAAAAmAAAACAAAAAAAAAAAAAAA"/>
+                <pr:smNativeData xmlns:mc="http://schemas.openxmlformats.org/markup-compatibility/2006" xmlns:p14="http://schemas.microsoft.com/office/powerpoint/2010/main" xmlns:p15="http://schemas.microsoft.com/office/powerpoint/2012/main" xmlns:pr="smNativeData" xmlns="smNativeData" val="SMDATA_15_PhJKaRMAAAAlAAAAZAAAAA0AAAAAkAAAAEgAAACQAAAASAAAAAAAAAABAAAAAAAAAAEAAABQAAAAAAAAAAAA4D8AAAAAAADgPwAAAAAAAOA/AAAAAAAA4D8AAAAAAADgPwAAAAAAAOA/AAAAAAAA4D8AAAAAAADgPwAAAAAAAOA/AAAAAAAA4D8CAAAAjAAAAAAAAAAAAAAAu+DjDP///wgAAAAAAAAAAAAAAAAAAAAAAAAAAAAAAAAAAAAAZAAAAAEAAABAAAAAAAAAAAAAAAAAAAAAAAAAAAAAAAAAAAAAAAAAAAAAAAAAAAAAAAAAAAAAAAAAAAAAAAAAAAAAAAAAAAAAAAAAAAAAAAAAAAAAAAAAAAAAAAAAAAAAFAAAADwAAAAAAAAAAAAAAAAAAAkUAAAAAQAAABQAAAAUAAAAFAAAAAEAAAAAAAAAZAAAAGQAAAAAAAAAZAAAAGQAAAAVAAAAYAAAAAAAAAAAAAAADwAAACADAAAAAAAAAAAAAAEAAACgMgAAVgcAAKr4//8BAAAAf39/AAEAAABkAAAAAAAAABQAAABAHwAAAAAAACYAAAAAAAAAwOD//wAAAAAmAAAAZAAAABYAAABMAAAAAAAAAAAAAAAEAAAAAAAAAAEAAACAgIAKAAAAACgAAAAoAAAAZAAAAGQAAAAAAAAAzMzMAAAAAABQAAAAUAAAAGQAAABkAAAAAAAAABcAAAAUAAAAAAAAAAAAAAD/fwAA/38AAAAAAAAJAAAABAAAAEAoWAweAAAAaAAAAAAAAAAAAAAAAAAAAAAAAAAAAAAAECcAABAnAAAAAAAAAAAAAAAAAAAAAAAAAAAAAAAAAAAAAAAAAAAAABQAAAAAAAAAwMD/AAAAAABkAAAAMgAAAAAAAABkAAAAAAAAAH9/fwAKAAAAIgAAABgAAAAAAAAAAAAAAAAAAAAAAAAAAAAAAAAAAAAkAAAAJAAAAAAAAAAHAAAAAAAAAAAAAAAAAAAAAAAAAAAAAAAAAAAAf39/ACUAAABYAAAAAAAAAAAAAAAAAAAAAAAAAAAAAAAAAAAAAAAAAAAAAAAAAAAAAAAAAAAAAAA/AAAAAAAAAKCGAQAAAAAAAAAAAAAAAAAMAAAAAQAAAAAAAAAAAAAAAAAAAB8AAABUAAAAAAAABQAAAAEAAAAAAAAAAAAAAAAAAAAAAAAAAAAAAAAAAAAAAAAAAAAAAAJ/f38AAAAAA8zMzADAwP8Af39/AAAAAAAAAAAAAAAAAAAAAAAAAAAAIQAAABgAAAAUAAAAwTUAABsnAABARwAAWSkAABAAAAAmAAAACAAAAAAAAAAAAAAA"/>
               </a:ext>
             </a:extLst>
           </p:cNvSpPr>
@@ -1191,10 +1203,10 @@
           <a:bodyPr/>
           <a:lstStyle/>
           <a:p>
-            <a:pPr/>
             <a:fld id="{0CA7D6E4-AAE1-F220-AF1F-5C7598515909}" type="slidenum">
               <a:t>‹#›</a:t>
             </a:fld>
+            <a:endParaRPr/>
           </a:p>
         </p:txBody>
       </p:sp>
@@ -1208,7 +1220,7 @@
 </file>
 
 <file path=ppt/slideLayouts/slideLayout4.xml><?xml version="1.0" encoding="utf-8"?>
-<p:sldLayout xmlns:p="http://schemas.openxmlformats.org/presentationml/2006/main" xmlns:mc="http://schemas.openxmlformats.org/markup-compatibility/2006" xmlns:p14="http://schemas.microsoft.com/office/powerpoint/2010/main" xmlns:p15="http://schemas.microsoft.com/office/powerpoint/2012/main" xmlns:r="http://schemas.openxmlformats.org/officeDocument/2006/relationships" xmlns:a="http://schemas.openxmlformats.org/drawingml/2006/main" type="twoColTx">
+<p:sldLayout xmlns:a="http://schemas.openxmlformats.org/drawingml/2006/main" xmlns:r="http://schemas.openxmlformats.org/officeDocument/2006/relationships" xmlns:p="http://schemas.openxmlformats.org/presentationml/2006/main" type="twoColTx">
   <p:cSld name="Title and two contents">
     <p:spTree>
       <p:nvGrpSpPr>
@@ -1231,7 +1243,7 @@
             <a:spLocks noGrp="1" noChangeArrowheads="1"/>
             <a:extLst>
               <a:ext uri="smNativeData">
-                <pr:smNativeData xmlns:pr="smNativeData" xmlns="smNativeData" val="SMDATA_15_PhJKaRMAAAAlAAAAZAAAAA0AAAAAkAAAAEgAAACQAAAASAAAAAAAAAABAAAAAAAAAAEAAABQAAAAAAAAAAAA4D8AAAAAAADgPwAAAAAAAOA/AAAAAAAA4D8AAAAAAADgPwAAAAAAAOA/AAAAAAAA4D8AAAAAAADgPwAAAAAAAOA/AAAAAAAA4D8CAAAAjAAAAAAAAAAAAAAAu+DjDP///wgAAAAAAAAAAAAAAAAAAAAAAAAAAAAAAAAAAAAAZAAAAAEAAABAAAAAAAAAAAAAAAAAAAAAAAAAAAAAAAAAAAAAAAAAAAAAAAAAAAAAAAAAAAAAAAAAAAAAAAAAAAAAAAAAAAAAAAAAAAAAAAAAAAAAAAAAAAAAAAAAAAAAFAAAADwAAAAAAAAAAAAAAAAAAAkUAAAAAQAAABQAAAAUAAAAFAAAAAEAAAAAAAAAZAAAAGQAAAAAAAAAZAAAAGQAAAAVAAAAYAAAAAAAAAAAAAAADwAAACADAAAAAAAAAAAAAAEAAACgMgAAVgcAAKr4//8BAAAAf39/AAEAAABkAAAAAAAAABQAAABAHwAAAAAAACYAAAAAAAAAwOD//wAAAAAmAAAAZAAAABYAAABMAAAAAAAAAAAAAAAEAAAAAAAAAAEAAACAgIAKAAAAACgAAAAoAAAAZAAAAGQAAAAAAAAAzMzMAAAAAABQAAAAUAAAAGQAAABkAAAAAAAAABcAAAAUAAAAAAAAAAAAAAD/fwAA/38AAAAAAAAJAAAABAAAAAAAAAAeAAAAaAAAAAAAAAAAAAAAAAAAAAAAAAAAAAAAECcAABAnAAAAAAAAAAAAAAAAAAAAAAAAAAAAAAAAAAAAAAAAAAAAABQAAAAAAAAAwMD/AAAAAABkAAAAMgAAAAAAAABkAAAAAAAAAH9/fwAKAAAAIgAAABgAAAAAAAAAAAAAAAAAAAAAAAAAAAAAAAAAAAAkAAAAJAAAAAAAAAAHAAAAAAAAAAAAAAAAAAAAAAAAAAAAAAAAAAAAf39/ACUAAABYAAAAAAAAAAAAAAAAAAAAAAAAAAAAAAAAAAAAAAAAAAAAAAAAAAAAAAAAAAAAAAA/AAAAAAAAAKCGAQAAAAAAAAAAAAAAAAAMAAAAAQAAAAAAAAAAAAAAAAAAAB8AAABUAAAAAAAABQAAAAEAAAAAAAAAAAAAAAAAAAAAAAAAAAAAAAAAAAAAAAAAAAAAAAJ/f38AAAAAA8zMzADAwP8Af39/AAAAAAAAAAAAAAAAAAAAAAAAAAAAIQAAABgAAAAUAAAAwAMAALABAABARwAAuAgAABAAAAAmAAAACAAAAAAAAAAAAAAA"/>
+                <pr:smNativeData xmlns:mc="http://schemas.openxmlformats.org/markup-compatibility/2006" xmlns:p14="http://schemas.microsoft.com/office/powerpoint/2010/main" xmlns:p15="http://schemas.microsoft.com/office/powerpoint/2012/main" xmlns:pr="smNativeData" xmlns="smNativeData" val="SMDATA_15_PhJKaRMAAAAlAAAAZAAAAA0AAAAAkAAAAEgAAACQAAAASAAAAAAAAAABAAAAAAAAAAEAAABQAAAAAAAAAAAA4D8AAAAAAADgPwAAAAAAAOA/AAAAAAAA4D8AAAAAAADgPwAAAAAAAOA/AAAAAAAA4D8AAAAAAADgPwAAAAAAAOA/AAAAAAAA4D8CAAAAjAAAAAAAAAAAAAAAu+DjDP///wgAAAAAAAAAAAAAAAAAAAAAAAAAAAAAAAAAAAAAZAAAAAEAAABAAAAAAAAAAAAAAAAAAAAAAAAAAAAAAAAAAAAAAAAAAAAAAAAAAAAAAAAAAAAAAAAAAAAAAAAAAAAAAAAAAAAAAAAAAAAAAAAAAAAAAAAAAAAAAAAAAAAAFAAAADwAAAAAAAAAAAAAAAAAAAkUAAAAAQAAABQAAAAUAAAAFAAAAAEAAAAAAAAAZAAAAGQAAAAAAAAAZAAAAGQAAAAVAAAAYAAAAAAAAAAAAAAADwAAACADAAAAAAAAAAAAAAEAAACgMgAAVgcAAKr4//8BAAAAf39/AAEAAABkAAAAAAAAABQAAABAHwAAAAAAACYAAAAAAAAAwOD//wAAAAAmAAAAZAAAABYAAABMAAAAAAAAAAAAAAAEAAAAAAAAAAEAAACAgIAKAAAAACgAAAAoAAAAZAAAAGQAAAAAAAAAzMzMAAAAAABQAAAAUAAAAGQAAABkAAAAAAAAABcAAAAUAAAAAAAAAAAAAAD/fwAA/38AAAAAAAAJAAAABAAAAAAAAAAeAAAAaAAAAAAAAAAAAAAAAAAAAAAAAAAAAAAAECcAABAnAAAAAAAAAAAAAAAAAAAAAAAAAAAAAAAAAAAAAAAAAAAAABQAAAAAAAAAwMD/AAAAAABkAAAAMgAAAAAAAABkAAAAAAAAAH9/fwAKAAAAIgAAABgAAAAAAAAAAAAAAAAAAAAAAAAAAAAAAAAAAAAkAAAAJAAAAAAAAAAHAAAAAAAAAAAAAAAAAAAAAAAAAAAAAAAAAAAAf39/ACUAAABYAAAAAAAAAAAAAAAAAAAAAAAAAAAAAAAAAAAAAAAAAAAAAAAAAAAAAAAAAAAAAAA/AAAAAAAAAKCGAQAAAAAAAAAAAAAAAAAMAAAAAQAAAAAAAAAAAAAAAAAAAB8AAABUAAAAAAAABQAAAAEAAAAAAAAAAAAAAAAAAAAAAAAAAAAAAAAAAAAAAAAAAAAAAAJ/f38AAAAAA8zMzADAwP8Af39/AAAAAAAAAAAAAAAAAAAAAAAAAAAAIQAAABgAAAAUAAAAwAMAALABAABARwAAuAgAABAAAAAmAAAACAAAAAAAAAAAAAAA"/>
               </a:ext>
             </a:extLst>
           </p:cNvSpPr>
@@ -1244,7 +1256,6 @@
           <a:bodyPr/>
           <a:lstStyle/>
           <a:p>
-            <a:pPr/>
             <a:r>
               <a:t>Click to edit Master title style</a:t>
             </a:r>
@@ -1258,7 +1269,7 @@
             <a:spLocks noGrp="1" noChangeArrowheads="1"/>
             <a:extLst>
               <a:ext uri="smNativeData">
-                <pr:smNativeData xmlns:pr="smNativeData" xmlns="smNativeData" val="SMDATA_15_PhJKaRMAAAAlAAAAZAAAAA0AAAAAkAAAAEgAAACQAAAASAAAAAAAAAAAAAAAAAAAAAEAAABQAAAAAAAAAAAA4D8AAAAAAADgPwAAAAAAAOA/AAAAAAAA4D8AAAAAAADgPwAAAAAAAOA/AAAAAAAA4D8AAAAAAADgPwAAAAAAAOA/AAAAAAAA4D8CAAAAjAAAAAAAAAAAAAAAu+DjDP///wgAAAAAAAAAAAAAAAAAAAAAAAAAAAAAAAAAAAAAZAAAAAEAAABAAAAAAAAAAAAAAAAAAAAAAAAAAAAAAAAAAAAAAAAAAAAAAAAAAAAAAAAAAAAAAAAAAAAAAAAAAAAAAAAAAAAAAAAAAAAAAAAAAAAAAAAAAAAAAAAAAAAAFAAAADwAAAAAAAAAAAAAAAAAAAkUAAAAAQAAABQAAAAUAAAAFAAAAAEAAAAAAAAAZAAAAGQAAAAAAAAAZAAAAGQAAAAVAAAAYAAAAAAAAAAAAAAADwAAACADAAAAAAAAAAAAAAEAAACgMgAAVgcAAKr4//8BAAAAf39/AAEAAABkAAAAAAAAABQAAABAHwAAAAAAACYAAAAAAAAAwOD//wAAAAAmAAAAZAAAABYAAABMAAAAAAAAAAAAAAAEAAAAAAAAAAEAAACAgIAKAAAAACgAAAAoAAAAZAAAAGQAAAAAAAAAzMzMAAAAAABQAAAAUAAAAGQAAABkAAAAAAAAABcAAAAUAAAAAAAAAAAAAAD/fwAA/38AAAAAAAAJAAAABAAAAJgGAAAeAAAAaAAAAAAAAAAAAAAAAAAAAAAAAAAAAAAAECcAABAnAAAAAAAAAAAAAAAAAAAAAAAAAAAAAAAAAAAAAAAAAAAAABQAAAAAAAAAwMD/AAAAAABkAAAAMgAAAAAAAABkAAAAAAAAAH9/fwAKAAAAIgAAABgAAAAAAAAAAAAAAAAAAAAAAAAAAAAAAAAAAAAkAAAAJAAAAAAAAAAHAAAAAAAAAAAAAAAAAAAAAAAAAAAAAAAAAAAAf39/ACUAAABYAAAAAAAAAAAAAAAAAAAAAAAAAAAAAAAAAAAAAAAAAAAAAAAAAAAAAAAAAAAAAAA/AAAAAAAAAKCGAQAAAAAAAAAAAAAAAAAMAAAAAQAAAAAAAAAAAAAAAAAAAB8AAABUAAAAAAAABQAAAAEAAAAAAAAAAAAAAAAAAAAAAAAAAAAAAAAAAAAAAAAAAAAAAAJ/f38AAAAAA8zMzADAwP8Af39/AAAAAAAAAAAAAAAAAAAAAAAAAAAAIQAAABgAAAAUAAAAwAMAANgJAADhJAAAsCUAABAAAAAmAAAACAAAAAGAAAAAAAAA"/>
+                <pr:smNativeData xmlns:mc="http://schemas.openxmlformats.org/markup-compatibility/2006" xmlns:p14="http://schemas.microsoft.com/office/powerpoint/2010/main" xmlns:p15="http://schemas.microsoft.com/office/powerpoint/2012/main" xmlns:pr="smNativeData" xmlns="smNativeData" val="SMDATA_15_PhJKaRMAAAAlAAAAZAAAAA0AAAAAkAAAAEgAAACQAAAASAAAAAAAAAAAAAAAAAAAAAEAAABQAAAAAAAAAAAA4D8AAAAAAADgPwAAAAAAAOA/AAAAAAAA4D8AAAAAAADgPwAAAAAAAOA/AAAAAAAA4D8AAAAAAADgPwAAAAAAAOA/AAAAAAAA4D8CAAAAjAAAAAAAAAAAAAAAu+DjDP///wgAAAAAAAAAAAAAAAAAAAAAAAAAAAAAAAAAAAAAZAAAAAEAAABAAAAAAAAAAAAAAAAAAAAAAAAAAAAAAAAAAAAAAAAAAAAAAAAAAAAAAAAAAAAAAAAAAAAAAAAAAAAAAAAAAAAAAAAAAAAAAAAAAAAAAAAAAAAAAAAAAAAAFAAAADwAAAAAAAAAAAAAAAAAAAkUAAAAAQAAABQAAAAUAAAAFAAAAAEAAAAAAAAAZAAAAGQAAAAAAAAAZAAAAGQAAAAVAAAAYAAAAAAAAAAAAAAADwAAACADAAAAAAAAAAAAAAEAAACgMgAAVgcAAKr4//8BAAAAf39/AAEAAABkAAAAAAAAABQAAABAHwAAAAAAACYAAAAAAAAAwOD//wAAAAAmAAAAZAAAABYAAABMAAAAAAAAAAAAAAAEAAAAAAAAAAEAAACAgIAKAAAAACgAAAAoAAAAZAAAAGQAAAAAAAAAzMzMAAAAAABQAAAAUAAAAGQAAABkAAAAAAAAABcAAAAUAAAAAAAAAAAAAAD/fwAA/38AAAAAAAAJAAAABAAAAJgGAAAeAAAAaAAAAAAAAAAAAAAAAAAAAAAAAAAAAAAAECcAABAnAAAAAAAAAAAAAAAAAAAAAAAAAAAAAAAAAAAAAAAAAAAAABQAAAAAAAAAwMD/AAAAAABkAAAAMgAAAAAAAABkAAAAAAAAAH9/fwAKAAAAIgAAABgAAAAAAAAAAAAAAAAAAAAAAAAAAAAAAAAAAAAkAAAAJAAAAAAAAAAHAAAAAAAAAAAAAAAAAAAAAAAAAAAAAAAAAAAAf39/ACUAAABYAAAAAAAAAAAAAAAAAAAAAAAAAAAAAAAAAAAAAAAAAAAAAAAAAAAAAAAAAAAAAAA/AAAAAAAAAKCGAQAAAAAAAAAAAAAAAAAMAAAAAQAAAAAAAAAAAAAAAAAAAB8AAABUAAAAAAAABQAAAAEAAAAAAAAAAAAAAAAAAAAAAAAAAAAAAAAAAAAAAAAAAAAAAAJ/f38AAAAAA8zMzADAwP8Af39/AAAAAAAAAAAAAAAAAAAAAAAAAAAAIQAAABgAAAAUAAAAwAMAANgJAADhJAAAsCUAABAAAAAmAAAACAAAAAGAAAAAAAAA"/>
               </a:ext>
             </a:extLst>
           </p:cNvSpPr>
@@ -1304,7 +1315,6 @@
             </a:lvl9pPr>
           </a:lstStyle>
           <a:p>
-            <a:pPr/>
             <a:r>
               <a:t>Click to edit Master text styles</a:t>
             </a:r>
@@ -1342,7 +1352,7 @@
             <a:spLocks noGrp="1" noChangeArrowheads="1"/>
             <a:extLst>
               <a:ext uri="smNativeData">
-                <pr:smNativeData xmlns:pr="smNativeData" xmlns="smNativeData" val="SMDATA_15_PhJKaRMAAAAlAAAAZAAAAA0AAAAAkAAAAEgAAACQAAAASAAAAAAAAAAAAAAAAAAAAAEAAABQAAAAAAAAAAAA4D8AAAAAAADgPwAAAAAAAOA/AAAAAAAA4D8AAAAAAADgPwAAAAAAAOA/AAAAAAAA4D8AAAAAAADgPwAAAAAAAOA/AAAAAAAA4D8CAAAAjAAAAAAAAAAAAAAAu+DjDP///wgAAAAAAAAAAAAAAAAAAAAAAAAAAAAAAAAAAAAAZAAAAAEAAABAAAAAAAAAAAAAAAAAAAAAAAAAAAAAAAAAAAAAAAAAAAAAAAAAAAAAAAAAAAAAAAAAAAAAAAAAAAAAAAAAAAAAAAAAAAAAAAAAAAAAAAAAAAAAAAAAAAAAFAAAADwAAAAAAAAAAAAAAAAAAAkUAAAAAQAAABQAAAAUAAAAFAAAAAEAAAAAAAAAZAAAAGQAAAAAAAAAZAAAAGQAAAAVAAAAYAAAAAAAAAAAAAAADwAAACADAAAAAAAAAAAAAAEAAACgMgAAVgcAAKr4//8BAAAAf39/AAEAAABkAAAAAAAAABQAAABAHwAAAAAAACYAAAAAAAAAwOD//wAAAAAmAAAAZAAAABYAAABMAAAAAAAAAAAAAAAEAAAAAAAAAAEAAACAgIAKAAAAACgAAAAoAAAAZAAAAGQAAAAAAAAAzMzMAAAAAABQAAAAUAAAAGQAAABkAAAAAAAAABcAAAAUAAAAAAAAAAAAAAD/fwAA/38AAAAAAAAJAAAABAAAAFhUxw4eAAAAaAAAAAAAAAAAAAAAAAAAAAAAAAAAAAAAECcAABAnAAAAAAAAAAAAAAAAAAAAAAAAAAAAAAAAAAAAAAAAAAAAABQAAAAAAAAAwMD/AAAAAABkAAAAMgAAAAAAAABkAAAAAAAAAH9/fwAKAAAAIgAAABgAAAAAAAAAAAAAAAAAAAAAAAAAAAAAAAAAAAAkAAAAJAAAAAAAAAAHAAAAAAAAAAAAAAAAAAAAAAAAAAAAAAAAAAAAf39/ACUAAABYAAAAAAAAAAAAAAAAAAAAAAAAAAAAAAAAAAAAAAAAAAAAAAAAAAAAAAAAAAAAAAA/AAAAAAAAAKCGAQAAAAAAAAAAAAAAAAAMAAAAAQAAAAAAAAAAAAAAAAAAAB8AAABUAAAAAAAABQAAAAEAAAAAAAAAAAAAAAAAAAAAAAAAAAAAAAAAAAAAAAAAAAAAAAJ/f38AAAAAA8zMzADAwP8Af39/AAAAAAAAAAAAAAAAAAAAAAAAAAAAIQAAABgAAAAUAAAAHyYAANgJAABARwAAsCUAABAAAAAmAAAACAAAAAGAAAAAAAAA"/>
+                <pr:smNativeData xmlns:mc="http://schemas.openxmlformats.org/markup-compatibility/2006" xmlns:p14="http://schemas.microsoft.com/office/powerpoint/2010/main" xmlns:p15="http://schemas.microsoft.com/office/powerpoint/2012/main" xmlns:pr="smNativeData" xmlns="smNativeData" val="SMDATA_15_PhJKaRMAAAAlAAAAZAAAAA0AAAAAkAAAAEgAAACQAAAASAAAAAAAAAAAAAAAAAAAAAEAAABQAAAAAAAAAAAA4D8AAAAAAADgPwAAAAAAAOA/AAAAAAAA4D8AAAAAAADgPwAAAAAAAOA/AAAAAAAA4D8AAAAAAADgPwAAAAAAAOA/AAAAAAAA4D8CAAAAjAAAAAAAAAAAAAAAu+DjDP///wgAAAAAAAAAAAAAAAAAAAAAAAAAAAAAAAAAAAAAZAAAAAEAAABAAAAAAAAAAAAAAAAAAAAAAAAAAAAAAAAAAAAAAAAAAAAAAAAAAAAAAAAAAAAAAAAAAAAAAAAAAAAAAAAAAAAAAAAAAAAAAAAAAAAAAAAAAAAAAAAAAAAAFAAAADwAAAAAAAAAAAAAAAAAAAkUAAAAAQAAABQAAAAUAAAAFAAAAAEAAAAAAAAAZAAAAGQAAAAAAAAAZAAAAGQAAAAVAAAAYAAAAAAAAAAAAAAADwAAACADAAAAAAAAAAAAAAEAAACgMgAAVgcAAKr4//8BAAAAf39/AAEAAABkAAAAAAAAABQAAABAHwAAAAAAACYAAAAAAAAAwOD//wAAAAAmAAAAZAAAABYAAABMAAAAAAAAAAAAAAAEAAAAAAAAAAEAAACAgIAKAAAAACgAAAAoAAAAZAAAAGQAAAAAAAAAzMzMAAAAAABQAAAAUAAAAGQAAABkAAAAAAAAABcAAAAUAAAAAAAAAAAAAAD/fwAA/38AAAAAAAAJAAAABAAAAFhUxw4eAAAAaAAAAAAAAAAAAAAAAAAAAAAAAAAAAAAAECcAABAnAAAAAAAAAAAAAAAAAAAAAAAAAAAAAAAAAAAAAAAAAAAAABQAAAAAAAAAwMD/AAAAAABkAAAAMgAAAAAAAABkAAAAAAAAAH9/fwAKAAAAIgAAABgAAAAAAAAAAAAAAAAAAAAAAAAAAAAAAAAAAAAkAAAAJAAAAAAAAAAHAAAAAAAAAAAAAAAAAAAAAAAAAAAAAAAAAAAAf39/ACUAAABYAAAAAAAAAAAAAAAAAAAAAAAAAAAAAAAAAAAAAAAAAAAAAAAAAAAAAAAAAAAAAAA/AAAAAAAAAKCGAQAAAAAAAAAAAAAAAAAMAAAAAQAAAAAAAAAAAAAAAAAAAB8AAABUAAAAAAAABQAAAAEAAAAAAAAAAAAAAAAAAAAAAAAAAAAAAAAAAAAAAAAAAAAAAAJ/f38AAAAAA8zMzADAwP8Af39/AAAAAAAAAAAAAAAAAAAAAAAAAAAAIQAAABgAAAAUAAAAHyYAANgJAABARwAAsCUAABAAAAAmAAAACAAAAAGAAAAAAAAA"/>
               </a:ext>
             </a:extLst>
           </p:cNvSpPr>
@@ -1388,7 +1398,6 @@
             </a:lvl9pPr>
           </a:lstStyle>
           <a:p>
-            <a:pPr/>
             <a:r>
               <a:t>Click to edit Master text styles</a:t>
             </a:r>
@@ -1426,7 +1435,7 @@
             <a:spLocks noGrp="1" noChangeArrowheads="1"/>
             <a:extLst>
               <a:ext uri="smNativeData">
-                <pr:smNativeData xmlns:pr="smNativeData" xmlns="smNativeData" val="SMDATA_15_PhJKaRMAAAAlAAAAZAAAAA0AAAAAkAAAAEgAAACQAAAASAAAAAAAAAABAAAAAAAAAAEAAABQAAAAAAAAAAAA4D8AAAAAAADgPwAAAAAAAOA/AAAAAAAA4D8AAAAAAADgPwAAAAAAAOA/AAAAAAAA4D8AAAAAAADgPwAAAAAAAOA/AAAAAAAA4D8CAAAAjAAAAAAAAAAAAAAAu+DjDP///wgAAAAAAAAAAAAAAAAAAAAAAAAAAAAAAAAAAAAAZAAAAAEAAABAAAAAAAAAAAAAAAAAAAAAAAAAAAAAAAAAAAAAAAAAAAAAAAAAAAAAAAAAAAAAAAAAAAAAAAAAAAAAAAAAAAAAAAAAAAAAAAAAAAAAAAAAAAAAAAAAAAAAFAAAADwAAAAAAAAAAAAAAAAAAAkUAAAAAQAAABQAAAAUAAAAFAAAAAEAAAAAAAAAZAAAAGQAAAAAAAAAZAAAAGQAAAAVAAAAYAAAAAAAAAAAAAAADwAAACADAAAAAAAAAAAAAAEAAACgMgAAVgcAAKr4//8BAAAAf39/AAEAAABkAAAAAAAAABQAAABAHwAAAAAAACYAAAAAAAAAwOD//wAAAAAmAAAAZAAAABYAAABMAAAAAAAAAAAAAAAEAAAAAAAAAAEAAACAgIAKAAAAACgAAAAoAAAAZAAAAGQAAAAAAAAAzMzMAAAAAABQAAAAUAAAAGQAAABkAAAAAAAAABcAAAAUAAAAAAAAAAAAAAD/fwAA/38AAAAAAAAJAAAABAAAAAAAAAAeAAAAaAAAAAAAAAAAAAAAAAAAAAAAAAAAAAAAECcAABAnAAAAAAAAAAAAAAAAAAAAAAAAAAAAAAAAAAAAAAAAAAAAABQAAAAAAAAAwMD/AAAAAABkAAAAMgAAAAAAAABkAAAAAAAAAH9/fwAKAAAAIgAAABgAAAAAAAAAAAAAAAAAAAAAAAAAAAAAAAAAAAAkAAAAJAAAAAAAAAAHAAAAAAAAAAAAAAAAAAAAAAAAAAAAAAAAAAAAf39/ACUAAABYAAAAAAAAAAAAAAAAAAAAAAAAAAAAAAAAAAAAAAAAAAAAAAAAAAAAAAAAAAAAAAA/AAAAAAAAAKCGAQAAAAAAAAAAAAAAAAAMAAAAAQAAAAAAAAAAAAAAAAAAAB8AAABUAAAAAAAABQAAAAEAAAAAAAAAAAAAAAAAAAAAAAAAAAAAAAAAAAAAAAAAAAAAAAJ/f38AAAAAA8zMzADAwP8Af39/AAAAAAAAAAAAAAAAAAAAAAAAAAAAIQAAABgAAAAUAAAAwAMAABsnAAA/FQAAWSkAABAAAAAmAAAACAAAAAAAAAAAAAAA"/>
+                <pr:smNativeData xmlns:mc="http://schemas.openxmlformats.org/markup-compatibility/2006" xmlns:p14="http://schemas.microsoft.com/office/powerpoint/2010/main" xmlns:p15="http://schemas.microsoft.com/office/powerpoint/2012/main" xmlns:pr="smNativeData" xmlns="smNativeData" val="SMDATA_15_PhJKaRMAAAAlAAAAZAAAAA0AAAAAkAAAAEgAAACQAAAASAAAAAAAAAABAAAAAAAAAAEAAABQAAAAAAAAAAAA4D8AAAAAAADgPwAAAAAAAOA/AAAAAAAA4D8AAAAAAADgPwAAAAAAAOA/AAAAAAAA4D8AAAAAAADgPwAAAAAAAOA/AAAAAAAA4D8CAAAAjAAAAAAAAAAAAAAAu+DjDP///wgAAAAAAAAAAAAAAAAAAAAAAAAAAAAAAAAAAAAAZAAAAAEAAABAAAAAAAAAAAAAAAAAAAAAAAAAAAAAAAAAAAAAAAAAAAAAAAAAAAAAAAAAAAAAAAAAAAAAAAAAAAAAAAAAAAAAAAAAAAAAAAAAAAAAAAAAAAAAAAAAAAAAFAAAADwAAAAAAAAAAAAAAAAAAAkUAAAAAQAAABQAAAAUAAAAFAAAAAEAAAAAAAAAZAAAAGQAAAAAAAAAZAAAAGQAAAAVAAAAYAAAAAAAAAAAAAAADwAAACADAAAAAAAAAAAAAAEAAACgMgAAVgcAAKr4//8BAAAAf39/AAEAAABkAAAAAAAAABQAAABAHwAAAAAAACYAAAAAAAAAwOD//wAAAAAmAAAAZAAAABYAAABMAAAAAAAAAAAAAAAEAAAAAAAAAAEAAACAgIAKAAAAACgAAAAoAAAAZAAAAGQAAAAAAAAAzMzMAAAAAABQAAAAUAAAAGQAAABkAAAAAAAAABcAAAAUAAAAAAAAAAAAAAD/fwAA/38AAAAAAAAJAAAABAAAAAAAAAAeAAAAaAAAAAAAAAAAAAAAAAAAAAAAAAAAAAAAECcAABAnAAAAAAAAAAAAAAAAAAAAAAAAAAAAAAAAAAAAAAAAAAAAABQAAAAAAAAAwMD/AAAAAABkAAAAMgAAAAAAAABkAAAAAAAAAH9/fwAKAAAAIgAAABgAAAAAAAAAAAAAAAAAAAAAAAAAAAAAAAAAAAAkAAAAJAAAAAAAAAAHAAAAAAAAAAAAAAAAAAAAAAAAAAAAAAAAAAAAf39/ACUAAABYAAAAAAAAAAAAAAAAAAAAAAAAAAAAAAAAAAAAAAAAAAAAAAAAAAAAAAAAAAAAAAA/AAAAAAAAAKCGAQAAAAAAAAAAAAAAAAAMAAAAAQAAAAAAAAAAAAAAAAAAAB8AAABUAAAAAAAABQAAAAEAAAAAAAAAAAAAAAAAAAAAAAAAAAAAAAAAAAAAAAAAAAAAAAJ/f38AAAAAA8zMzADAwP8Af39/AAAAAAAAAAAAAAAAAAAAAAAAAAAAIQAAABgAAAAUAAAAwAMAABsnAAA/FQAAWSkAABAAAAAmAAAACAAAAAAAAAAAAAAA"/>
               </a:ext>
             </a:extLst>
           </p:cNvSpPr>
@@ -1439,10 +1448,10 @@
           <a:bodyPr/>
           <a:lstStyle/>
           <a:p>
-            <a:pPr/>
             <a:fld id="{0CA7C2C1-8FE1-F234-AF1F-79618C51592C}" type="datetime1">
-              <a:t>12/16/2025</a:t>
+              <a:t>12/29/2025</a:t>
             </a:fld>
+            <a:endParaRPr/>
           </a:p>
         </p:txBody>
       </p:sp>
@@ -1453,7 +1462,7 @@
             <a:spLocks noGrp="1" noChangeArrowheads="1"/>
             <a:extLst>
               <a:ext uri="smNativeData">
-                <pr:smNativeData xmlns:pr="smNativeData" xmlns="smNativeData" val="SMDATA_15_PhJKaRMAAAAlAAAAZAAAAA0AAAAAkAAAAEgAAACQAAAASAAAAAAAAAABAAAAAAAAAAEAAABQAAAAAAAAAAAA4D8AAAAAAADgPwAAAAAAAOA/AAAAAAAA4D8AAAAAAADgPwAAAAAAAOA/AAAAAAAA4D8AAAAAAADgPwAAAAAAAOA/AAAAAAAA4D8CAAAAjAAAAAAAAAAAAAAAu+DjDP///wgAAAAAAAAAAAAAAAAAAAAAAAAAAAAAAAAAAAAAZAAAAAEAAABAAAAAAAAAAAAAAAAAAAAAAAAAAAAAAAAAAAAAAAAAAAAAAAAAAAAAAAAAAAAAAAAAAAAAAAAAAAAAAAAAAAAAAAAAAAAAAAAAAAAAAAAAAAAAAAAAAAAAFAAAADwAAAAAAAAAAAAAAAAAAAkUAAAAAQAAABQAAAAUAAAAFAAAAAEAAAAAAAAAZAAAAGQAAAAAAAAAZAAAAGQAAAAVAAAAYAAAAAAAAAAAAAAADwAAACADAAAAAAAAAAAAAAEAAACgMgAAVgcAAKr4//8BAAAAf39/AAEAAABkAAAAAAAAABQAAABAHwAAAAAAACYAAAAAAAAAwOD//wAAAAAmAAAAZAAAABYAAABMAAAAAAAAAAAAAAAEAAAAAAAAAAEAAACAgIAKAAAAACgAAAAoAAAAZAAAAGQAAAAAAAAAzMzMAAAAAABQAAAAUAAAAGQAAABkAAAAAAAAABcAAAAUAAAAAAAAAAAAAAD/fwAA/38AAAAAAAAJAAAABAAAAAAAAAAeAAAAaAAAAAAAAAAAAAAAAAAAAAAAAAAAAAAAECcAABAnAAAAAAAAAAAAAAAAAAAAAAAAAAAAAAAAAAAAAAAAAAAAABQAAAAAAAAAwMD/AAAAAABkAAAAMgAAAAAAAABkAAAAAAAAAH9/fwAKAAAAIgAAABgAAAAAAAAAAAAAAAAAAAAAAAAAAAAAAAAAAAAkAAAAJAAAAAAAAAAHAAAAAAAAAAAAAAAAAAAAAAAAAAAAAAAAAAAAf39/ACUAAABYAAAAAAAAAAAAAAAAAAAAAAAAAAAAAAAAAAAAAAAAAAAAAAAAAAAAAAAAAAAAAAA/AAAAAAAAAKCGAQAAAAAAAAAAAAAAAAAMAAAAAQAAAAAAAAAAAAAAAAAAAB8AAABUAAAAAAAABQAAAAEAAAAAAAAAAAAAAAAAAAAAAAAAAAAAAAAAAAAAAAAAAAAAAAJ/f38AAAAAA8zMzADAwP8Af39/AAAAAAAAAAAAAAAAAAAAAAAAAAAAIQAAABgAAAAUAAAAoRkAABsnAABfMQAAWSkAABAAAAAmAAAACAAAAAAAAAAAAAAA"/>
+                <pr:smNativeData xmlns:mc="http://schemas.openxmlformats.org/markup-compatibility/2006" xmlns:p14="http://schemas.microsoft.com/office/powerpoint/2010/main" xmlns:p15="http://schemas.microsoft.com/office/powerpoint/2012/main" xmlns:pr="smNativeData" xmlns="smNativeData" val="SMDATA_15_PhJKaRMAAAAlAAAAZAAAAA0AAAAAkAAAAEgAAACQAAAASAAAAAAAAAABAAAAAAAAAAEAAABQAAAAAAAAAAAA4D8AAAAAAADgPwAAAAAAAOA/AAAAAAAA4D8AAAAAAADgPwAAAAAAAOA/AAAAAAAA4D8AAAAAAADgPwAAAAAAAOA/AAAAAAAA4D8CAAAAjAAAAAAAAAAAAAAAu+DjDP///wgAAAAAAAAAAAAAAAAAAAAAAAAAAAAAAAAAAAAAZAAAAAEAAABAAAAAAAAAAAAAAAAAAAAAAAAAAAAAAAAAAAAAAAAAAAAAAAAAAAAAAAAAAAAAAAAAAAAAAAAAAAAAAAAAAAAAAAAAAAAAAAAAAAAAAAAAAAAAAAAAAAAAFAAAADwAAAAAAAAAAAAAAAAAAAkUAAAAAQAAABQAAAAUAAAAFAAAAAEAAAAAAAAAZAAAAGQAAAAAAAAAZAAAAGQAAAAVAAAAYAAAAAAAAAAAAAAADwAAACADAAAAAAAAAAAAAAEAAACgMgAAVgcAAKr4//8BAAAAf39/AAEAAABkAAAAAAAAABQAAABAHwAAAAAAACYAAAAAAAAAwOD//wAAAAAmAAAAZAAAABYAAABMAAAAAAAAAAAAAAAEAAAAAAAAAAEAAACAgIAKAAAAACgAAAAoAAAAZAAAAGQAAAAAAAAAzMzMAAAAAABQAAAAUAAAAGQAAABkAAAAAAAAABcAAAAUAAAAAAAAAAAAAAD/fwAA/38AAAAAAAAJAAAABAAAAAAAAAAeAAAAaAAAAAAAAAAAAAAAAAAAAAAAAAAAAAAAECcAABAnAAAAAAAAAAAAAAAAAAAAAAAAAAAAAAAAAAAAAAAAAAAAABQAAAAAAAAAwMD/AAAAAABkAAAAMgAAAAAAAABkAAAAAAAAAH9/fwAKAAAAIgAAABgAAAAAAAAAAAAAAAAAAAAAAAAAAAAAAAAAAAAkAAAAJAAAAAAAAAAHAAAAAAAAAAAAAAAAAAAAAAAAAAAAAAAAAAAAf39/ACUAAABYAAAAAAAAAAAAAAAAAAAAAAAAAAAAAAAAAAAAAAAAAAAAAAAAAAAAAAAAAAAAAAA/AAAAAAAAAKCGAQAAAAAAAAAAAAAAAAAMAAAAAQAAAAAAAAAAAAAAAAAAAB8AAABUAAAAAAAABQAAAAEAAAAAAAAAAAAAAAAAAAAAAAAAAAAAAAAAAAAAAAAAAAAAAAJ/f38AAAAAA8zMzADAwP8Af39/AAAAAAAAAAAAAAAAAAAAAAAAAAAAIQAAABgAAAAUAAAAoRkAABsnAABfMQAAWSkAABAAAAAmAAAACAAAAAAAAAAAAAAA"/>
               </a:ext>
             </a:extLst>
           </p:cNvSpPr>
@@ -1466,7 +1475,7 @@
           <a:bodyPr/>
           <a:lstStyle/>
           <a:p>
-            <a:pPr/>
+            <a:endParaRPr/>
           </a:p>
         </p:txBody>
       </p:sp>
@@ -1477,7 +1486,7 @@
             <a:spLocks noGrp="1" noChangeArrowheads="1"/>
             <a:extLst>
               <a:ext uri="smNativeData">
-                <pr:smNativeData xmlns:pr="smNativeData" xmlns="smNativeData" val="SMDATA_15_PhJKaRMAAAAlAAAAZAAAAA0AAAAAkAAAAEgAAACQAAAASAAAAAAAAAABAAAAAAAAAAEAAABQAAAAAAAAAAAA4D8AAAAAAADgPwAAAAAAAOA/AAAAAAAA4D8AAAAAAADgPwAAAAAAAOA/AAAAAAAA4D8AAAAAAADgPwAAAAAAAOA/AAAAAAAA4D8CAAAAjAAAAAAAAAAAAAAAu+DjDP///wgAAAAAAAAAAAAAAAAAAAAAAAAAAAAAAAAAAAAAZAAAAAEAAABAAAAAAAAAAAAAAAAAAAAAAAAAAAAAAAAAAAAAAAAAAAAAAAAAAAAAAAAAAAAAAAAAAAAAAAAAAAAAAAAAAAAAAAAAAAAAAAAAAAAAAAAAAAAAAAAAAAAAFAAAADwAAAAAAAAAAAAAAAAAAAkUAAAAAQAAABQAAAAUAAAAFAAAAAEAAAAAAAAAZAAAAGQAAAAAAAAAZAAAAGQAAAAVAAAAYAAAAAAAAAAAAAAADwAAACADAAAAAAAAAAAAAAEAAACgMgAAVgcAAKr4//8BAAAAf39/AAEAAABkAAAAAAAAABQAAABAHwAAAAAAACYAAAAAAAAAwOD//wAAAAAmAAAAZAAAABYAAABMAAAAAAAAAAAAAAAEAAAAAAAAAAEAAACAgIAKAAAAACgAAAAoAAAAZAAAAGQAAAAAAAAAzMzMAAAAAABQAAAAUAAAAGQAAABkAAAAAAAAABcAAAAUAAAAAAAAAAAAAAD/fwAA/38AAAAAAAAJAAAABAAAAOrv9v8eAAAAaAAAAAAAAAAAAAAAAAAAAAAAAAAAAAAAECcAABAnAAAAAAAAAAAAAAAAAAAAAAAAAAAAAAAAAAAAAAAAAAAAABQAAAAAAAAAwMD/AAAAAABkAAAAMgAAAAAAAABkAAAAAAAAAH9/fwAKAAAAIgAAABgAAAAAAAAAAAAAAAAAAAAAAAAAAAAAAAAAAAAkAAAAJAAAAAAAAAAHAAAAAAAAAAAAAAAAAAAAAAAAAAAAAAAAAAAAf39/ACUAAABYAAAAAAAAAAAAAAAAAAAAAAAAAAAAAAAAAAAAAAAAAAAAAAAAAAAAAAAAAAAAAAA/AAAAAAAAAKCGAQAAAAAAAAAAAAAAAAAMAAAAAQAAAAAAAAAAAAAAAAAAAB8AAABUAAAAAAAABQAAAAEAAAAAAAAAAAAAAAAAAAAAAAAAAAAAAAAAAAAAAAAAAAAAAAJ/f38AAAAAA8zMzADAwP8Af39/AAAAAAAAAAAAAAAAAAAAAAAAAAAAIQAAABgAAAAUAAAAwTUAABsnAABARwAAWSkAABAAAAAmAAAACAAAAAAAAAAAAAAA"/>
+                <pr:smNativeData xmlns:mc="http://schemas.openxmlformats.org/markup-compatibility/2006" xmlns:p14="http://schemas.microsoft.com/office/powerpoint/2010/main" xmlns:p15="http://schemas.microsoft.com/office/powerpoint/2012/main" xmlns:pr="smNativeData" xmlns="smNativeData" val="SMDATA_15_PhJKaRMAAAAlAAAAZAAAAA0AAAAAkAAAAEgAAACQAAAASAAAAAAAAAABAAAAAAAAAAEAAABQAAAAAAAAAAAA4D8AAAAAAADgPwAAAAAAAOA/AAAAAAAA4D8AAAAAAADgPwAAAAAAAOA/AAAAAAAA4D8AAAAAAADgPwAAAAAAAOA/AAAAAAAA4D8CAAAAjAAAAAAAAAAAAAAAu+DjDP///wgAAAAAAAAAAAAAAAAAAAAAAAAAAAAAAAAAAAAAZAAAAAEAAABAAAAAAAAAAAAAAAAAAAAAAAAAAAAAAAAAAAAAAAAAAAAAAAAAAAAAAAAAAAAAAAAAAAAAAAAAAAAAAAAAAAAAAAAAAAAAAAAAAAAAAAAAAAAAAAAAAAAAFAAAADwAAAAAAAAAAAAAAAAAAAkUAAAAAQAAABQAAAAUAAAAFAAAAAEAAAAAAAAAZAAAAGQAAAAAAAAAZAAAAGQAAAAVAAAAYAAAAAAAAAAAAAAADwAAACADAAAAAAAAAAAAAAEAAACgMgAAVgcAAKr4//8BAAAAf39/AAEAAABkAAAAAAAAABQAAABAHwAAAAAAACYAAAAAAAAAwOD//wAAAAAmAAAAZAAAABYAAABMAAAAAAAAAAAAAAAEAAAAAAAAAAEAAACAgIAKAAAAACgAAAAoAAAAZAAAAGQAAAAAAAAAzMzMAAAAAABQAAAAUAAAAGQAAABkAAAAAAAAABcAAAAUAAAAAAAAAAAAAAD/fwAA/38AAAAAAAAJAAAABAAAAOrv9v8eAAAAaAAAAAAAAAAAAAAAAAAAAAAAAAAAAAAAECcAABAnAAAAAAAAAAAAAAAAAAAAAAAAAAAAAAAAAAAAAAAAAAAAABQAAAAAAAAAwMD/AAAAAABkAAAAMgAAAAAAAABkAAAAAAAAAH9/fwAKAAAAIgAAABgAAAAAAAAAAAAAAAAAAAAAAAAAAAAAAAAAAAAkAAAAJAAAAAAAAAAHAAAAAAAAAAAAAAAAAAAAAAAAAAAAAAAAAAAAf39/ACUAAABYAAAAAAAAAAAAAAAAAAAAAAAAAAAAAAAAAAAAAAAAAAAAAAAAAAAAAAAAAAAAAAA/AAAAAAAAAKCGAQAAAAAAAAAAAAAAAAAMAAAAAQAAAAAAAAAAAAAAAAAAAB8AAABUAAAAAAAABQAAAAEAAAAAAAAAAAAAAAAAAAAAAAAAAAAAAAAAAAAAAAAAAAAAAAJ/f38AAAAAA8zMzADAwP8Af39/AAAAAAAAAAAAAAAAAAAAAAAAAAAAIQAAABgAAAAUAAAAwTUAABsnAABARwAAWSkAABAAAAAmAAAACAAAAAAAAAAAAAAA"/>
               </a:ext>
             </a:extLst>
           </p:cNvSpPr>
@@ -1490,10 +1499,10 @@
           <a:bodyPr/>
           <a:lstStyle/>
           <a:p>
-            <a:pPr/>
             <a:fld id="{0CA7C6FE-B0E1-F230-AF1F-466588515913}" type="slidenum">
               <a:t>‹#›</a:t>
             </a:fld>
+            <a:endParaRPr/>
           </a:p>
         </p:txBody>
       </p:sp>
@@ -1507,7 +1516,7 @@
 </file>
 
 <file path=ppt/slideLayouts/slideLayout5.xml><?xml version="1.0" encoding="utf-8"?>
-<p:sldLayout xmlns:p="http://schemas.openxmlformats.org/presentationml/2006/main" xmlns:mc="http://schemas.openxmlformats.org/markup-compatibility/2006" xmlns:p14="http://schemas.microsoft.com/office/powerpoint/2010/main" xmlns:p15="http://schemas.microsoft.com/office/powerpoint/2012/main" xmlns:r="http://schemas.openxmlformats.org/officeDocument/2006/relationships" xmlns:a="http://schemas.openxmlformats.org/drawingml/2006/main" type="twoTxTwoObj">
+<p:sldLayout xmlns:a="http://schemas.openxmlformats.org/drawingml/2006/main" xmlns:r="http://schemas.openxmlformats.org/officeDocument/2006/relationships" xmlns:p="http://schemas.openxmlformats.org/presentationml/2006/main" type="twoTxTwoObj">
   <p:cSld name="Comparison">
     <p:spTree>
       <p:nvGrpSpPr>
@@ -1530,7 +1539,7 @@
             <a:spLocks noGrp="1" noChangeArrowheads="1"/>
             <a:extLst>
               <a:ext uri="smNativeData">
-                <pr:smNativeData xmlns:pr="smNativeData" xmlns="smNativeData" val="SMDATA_15_PhJKaRMAAAAlAAAAZAAAAA0AAAAAkAAAAEgAAACQAAAASAAAAAAAAAABAAAAAAAAAAEAAABQAAAAAAAAAAAA4D8AAAAAAADgPwAAAAAAAOA/AAAAAAAA4D8AAAAAAADgPwAAAAAAAOA/AAAAAAAA4D8AAAAAAADgPwAAAAAAAOA/AAAAAAAA4D8CAAAAjAAAAAAAAAAAAAAAu+DjDP///wgAAAAAAAAAAAAAAAAAAAAAAAAAAAAAAAAAAAAAZAAAAAEAAABAAAAAAAAAAAAAAAAAAAAAAAAAAAAAAAAAAAAAAAAAAAAAAAAAAAAAAAAAAAAAAAAAAAAAAAAAAAAAAAAAAAAAAAAAAAAAAAAAAAAAAAAAAAAAAAAAAAAAFAAAADwAAAAAAAAAAAAAAAAAAAkUAAAAAQAAABQAAAAUAAAAFAAAAAEAAAAAAAAAZAAAAGQAAAAAAAAAZAAAAGQAAAAVAAAAYAAAAAAAAAAAAAAADwAAACADAAAAAAAAAAAAAAEAAACgMgAAVgcAAKr4//8BAAAAf39/AAEAAABkAAAAAAAAABQAAABAHwAAAAAAACYAAAAAAAAAwOD//wAAAAAmAAAAZAAAABYAAABMAAAAAAAAAAAAAAAEAAAAAAAAAAEAAACAgIAKAAAAACgAAAAoAAAAZAAAAGQAAAAAAAAAzMzMAAAAAABQAAAAUAAAAGQAAABkAAAAAAAAABcAAAAUAAAAAAAAAAAAAAD/fwAA/38AAAAAAAAJAAAABAAAAPL1+v8eAAAAaAAAAAAAAAAAAAAAAAAAAAAAAAAAAAAAECcAABAnAAAAAAAAAAAAAAAAAAAAAAAAAAAAAAAAAAAAAAAAAAAAABQAAAAAAAAAwMD/AAAAAABkAAAAMgAAAAAAAABkAAAAAAAAAH9/fwAKAAAAIgAAABgAAAAAAAAAAAAAAAAAAAAAAAAAAAAAAAAAAAAkAAAAJAAAAAAAAAAHAAAAAAAAAAAAAAAAAAAAAAAAAAAAAAAAAAAAf39/ACUAAABYAAAAAAAAAAAAAAAAAAAAAAAAAAAAAAAAAAAAAAAAAAAAAAAAAAAAAAAAAAAAAAA/AAAAAAAAAKCGAQAAAAAAAAAAAAAAAAAMAAAAAQAAAAAAAAAAAAAAAAAAAB8AAABUAAAAAAAABQAAAAEAAAAAAAAAAAAAAAAAAAAAAAAAAAAAAAAAAAAAAAAAAAAAAAJ/f38AAAAAA8zMzADAwP8Af39/AAAAAAAAAAAAAAAAAAAAAAAAAAAAIQAAABgAAAAUAAAAwAMAALABAABARwAAuAgAABAAAAAmAAAACAAAAAAAAAAAAAAA"/>
+                <pr:smNativeData xmlns:mc="http://schemas.openxmlformats.org/markup-compatibility/2006" xmlns:p14="http://schemas.microsoft.com/office/powerpoint/2010/main" xmlns:p15="http://schemas.microsoft.com/office/powerpoint/2012/main" xmlns:pr="smNativeData" xmlns="smNativeData" val="SMDATA_15_PhJKaRMAAAAlAAAAZAAAAA0AAAAAkAAAAEgAAACQAAAASAAAAAAAAAABAAAAAAAAAAEAAABQAAAAAAAAAAAA4D8AAAAAAADgPwAAAAAAAOA/AAAAAAAA4D8AAAAAAADgPwAAAAAAAOA/AAAAAAAA4D8AAAAAAADgPwAAAAAAAOA/AAAAAAAA4D8CAAAAjAAAAAAAAAAAAAAAu+DjDP///wgAAAAAAAAAAAAAAAAAAAAAAAAAAAAAAAAAAAAAZAAAAAEAAABAAAAAAAAAAAAAAAAAAAAAAAAAAAAAAAAAAAAAAAAAAAAAAAAAAAAAAAAAAAAAAAAAAAAAAAAAAAAAAAAAAAAAAAAAAAAAAAAAAAAAAAAAAAAAAAAAAAAAFAAAADwAAAAAAAAAAAAAAAAAAAkUAAAAAQAAABQAAAAUAAAAFAAAAAEAAAAAAAAAZAAAAGQAAAAAAAAAZAAAAGQAAAAVAAAAYAAAAAAAAAAAAAAADwAAACADAAAAAAAAAAAAAAEAAACgMgAAVgcAAKr4//8BAAAAf39/AAEAAABkAAAAAAAAABQAAABAHwAAAAAAACYAAAAAAAAAwOD//wAAAAAmAAAAZAAAABYAAABMAAAAAAAAAAAAAAAEAAAAAAAAAAEAAACAgIAKAAAAACgAAAAoAAAAZAAAAGQAAAAAAAAAzMzMAAAAAABQAAAAUAAAAGQAAABkAAAAAAAAABcAAAAUAAAAAAAAAAAAAAD/fwAA/38AAAAAAAAJAAAABAAAAPL1+v8eAAAAaAAAAAAAAAAAAAAAAAAAAAAAAAAAAAAAECcAABAnAAAAAAAAAAAAAAAAAAAAAAAAAAAAAAAAAAAAAAAAAAAAABQAAAAAAAAAwMD/AAAAAABkAAAAMgAAAAAAAABkAAAAAAAAAH9/fwAKAAAAIgAAABgAAAAAAAAAAAAAAAAAAAAAAAAAAAAAAAAAAAAkAAAAJAAAAAAAAAAHAAAAAAAAAAAAAAAAAAAAAAAAAAAAAAAAAAAAf39/ACUAAABYAAAAAAAAAAAAAAAAAAAAAAAAAAAAAAAAAAAAAAAAAAAAAAAAAAAAAAAAAAAAAAA/AAAAAAAAAKCGAQAAAAAAAAAAAAAAAAAMAAAAAQAAAAAAAAAAAAAAAAAAAB8AAABUAAAAAAAABQAAAAEAAAAAAAAAAAAAAAAAAAAAAAAAAAAAAAAAAAAAAAAAAAAAAAJ/f38AAAAAA8zMzADAwP8Af39/AAAAAAAAAAAAAAAAAAAAAAAAAAAAIQAAABgAAAAUAAAAwAMAALABAABARwAAuAgAABAAAAAmAAAACAAAAAAAAAAAAAAA"/>
               </a:ext>
             </a:extLst>
           </p:cNvSpPr>
@@ -1543,7 +1552,6 @@
           <a:bodyPr/>
           <a:lstStyle/>
           <a:p>
-            <a:pPr/>
             <a:r>
               <a:t>Click to edit Master title style</a:t>
             </a:r>
@@ -1557,7 +1565,7 @@
             <a:spLocks noGrp="1" noChangeArrowheads="1"/>
             <a:extLst>
               <a:ext uri="smNativeData">
-                <pr:smNativeData xmlns:pr="smNativeData" xmlns="smNativeData" val="SMDATA_15_PhJKaRMAAAAlAAAAZAAAAA0AAAAAkAAAAEgAAACQAAAASAAAAAAAAAACAAAAAAAAAAEAAABQAAAAAAAAAAAA4D8AAAAAAADgPwAAAAAAAOA/AAAAAAAA4D8AAAAAAADgPwAAAAAAAOA/AAAAAAAA4D8AAAAAAADgPwAAAAAAAOA/AAAAAAAA4D8CAAAAjAAAAAAAAAAAAAAAu+DjDP///wgAAAAAAAAAAAAAAAAAAAAAAAAAAAAAAAAAAAAAZAAAAAEAAABAAAAAAAAAAAAAAAAAAAAAAAAAAAAAAAAAAAAAAAAAAAAAAAAAAAAAAAAAAAAAAAAAAAAAAAAAAAAAAAAAAAAAAAAAAAAAAAAAAAAAAAAAAAAAAAAAAAAAFAAAADwAAAAAAAAAAAAAAAAAAAkUAAAAAQAAABQAAAAUAAAAFAAAAAEAAAAAAAAAZAAAAGQAAAAAAAAAZAAAAGQAAAAVAAAAYAAAAAAAAAAAAAAADwAAACADAAAAAAAAAAAAAAEAAACgMgAAVgcAAKr4//8BAAAAf39/AAEAAABkAAAAAAAAABQAAABAHwAAAAAAACYAAAAAAAAAwOD//wAAAAAmAAAAZAAAABYAAABMAAAAAAAAAAAAAAAEAAAAAAAAAAEAAACAgIAKAAAAACgAAAAoAAAAZAAAAGQAAAAAAAAAzMzMAAAAAABQAAAAUAAAAGQAAABkAAAAAAAAABcAAAAUAAAAAAAAAAAAAAD/fwAA/38AAAAAAAAJAAAABAAAAAAAAAAeAAAAaAAAAAAAAAAAAAAAAAAAAAAAAAAAAAAAECcAABAnAAAAAAAAAAAAAAAAAAAAAAAAAAAAAAAAAAAAAAAAAAAAABQAAAAAAAAAwMD/AAAAAABkAAAAMgAAAAAAAABkAAAAAAAAAH9/fwAKAAAAIgAAABgAAAAAAAAAAAAAAAAAAAAAAAAAAAAAAAAAAAAkAAAAJAAAAAAAAAAHAAAAAAAAAAAAAAAAAAAAAAAAAAAAAAAAAAAAf39/ACUAAABYAAAAAAAAAAAAAAAAAAAAAAAAAAAAAAAAAAAAAAAAAAAAAAAAAAAAAAAAAAAAAAA/AAAAAAAAAKCGAQAAAAAAAAAAAAAAAAAMAAAAAQAAAAAAAAAAAAAAAAAAAB8AAABUAAAAAAAABQAAAAEAAAAAAAAAAAAAAAAAAAAAAAAAAAAAAAAAAAAAAAAAAAAAAAJ/f38AAAAAA8zMzADAwP8Af39/AAAAAAAAAAAAAAAAAAAAAAAAAAAAIQAAABgAAAAUAAAAwAMAAHEJAADjJAAAYQ0AABAAAAAmAAAACAAAAIGQAAAAAAAA"/>
+                <pr:smNativeData xmlns:mc="http://schemas.openxmlformats.org/markup-compatibility/2006" xmlns:p14="http://schemas.microsoft.com/office/powerpoint/2010/main" xmlns:p15="http://schemas.microsoft.com/office/powerpoint/2012/main" xmlns:pr="smNativeData" xmlns="smNativeData" val="SMDATA_15_PhJKaRMAAAAlAAAAZAAAAA0AAAAAkAAAAEgAAACQAAAASAAAAAAAAAACAAAAAAAAAAEAAABQAAAAAAAAAAAA4D8AAAAAAADgPwAAAAAAAOA/AAAAAAAA4D8AAAAAAADgPwAAAAAAAOA/AAAAAAAA4D8AAAAAAADgPwAAAAAAAOA/AAAAAAAA4D8CAAAAjAAAAAAAAAAAAAAAu+DjDP///wgAAAAAAAAAAAAAAAAAAAAAAAAAAAAAAAAAAAAAZAAAAAEAAABAAAAAAAAAAAAAAAAAAAAAAAAAAAAAAAAAAAAAAAAAAAAAAAAAAAAAAAAAAAAAAAAAAAAAAAAAAAAAAAAAAAAAAAAAAAAAAAAAAAAAAAAAAAAAAAAAAAAAFAAAADwAAAAAAAAAAAAAAAAAAAkUAAAAAQAAABQAAAAUAAAAFAAAAAEAAAAAAAAAZAAAAGQAAAAAAAAAZAAAAGQAAAAVAAAAYAAAAAAAAAAAAAAADwAAACADAAAAAAAAAAAAAAEAAACgMgAAVgcAAKr4//8BAAAAf39/AAEAAABkAAAAAAAAABQAAABAHwAAAAAAACYAAAAAAAAAwOD//wAAAAAmAAAAZAAAABYAAABMAAAAAAAAAAAAAAAEAAAAAAAAAAEAAACAgIAKAAAAACgAAAAoAAAAZAAAAGQAAAAAAAAAzMzMAAAAAABQAAAAUAAAAGQAAABkAAAAAAAAABcAAAAUAAAAAAAAAAAAAAD/fwAA/38AAAAAAAAJAAAABAAAAAAAAAAeAAAAaAAAAAAAAAAAAAAAAAAAAAAAAAAAAAAAECcAABAnAAAAAAAAAAAAAAAAAAAAAAAAAAAAAAAAAAAAAAAAAAAAABQAAAAAAAAAwMD/AAAAAABkAAAAMgAAAAAAAABkAAAAAAAAAH9/fwAKAAAAIgAAABgAAAAAAAAAAAAAAAAAAAAAAAAAAAAAAAAAAAAkAAAAJAAAAAAAAAAHAAAAAAAAAAAAAAAAAAAAAAAAAAAAAAAAAAAAf39/ACUAAABYAAAAAAAAAAAAAAAAAAAAAAAAAAAAAAAAAAAAAAAAAAAAAAAAAAAAAAAAAAAAAAA/AAAAAAAAAKCGAQAAAAAAAAAAAAAAAAAMAAAAAQAAAAAAAAAAAAAAAAAAAB8AAABUAAAAAAAABQAAAAEAAAAAAAAAAAAAAAAAAAAAAAAAAAAAAAAAAAAAAAAAAAAAAAJ/f38AAAAAA8zMzADAwP8Af39/AAAAAAAAAAAAAAAAAAAAAAAAAAAAIQAAABgAAAAUAAAAwAMAAHEJAADjJAAAYQ0AABAAAAAmAAAACAAAAIGQAAAAAAAA"/>
               </a:ext>
             </a:extLst>
           </p:cNvSpPr>
@@ -1616,7 +1624,6 @@
             </a:lvl9pPr>
           </a:lstStyle>
           <a:p>
-            <a:pPr/>
             <a:r>
               <a:t>Click to edit Master text styles</a:t>
             </a:r>
@@ -1630,7 +1637,7 @@
             <a:spLocks noGrp="1" noChangeArrowheads="1"/>
             <a:extLst>
               <a:ext uri="smNativeData">
-                <pr:smNativeData xmlns:pr="smNativeData" xmlns="smNativeData" val="SMDATA_15_PhJKaRMAAAAlAAAAZAAAAA0AAAAAkAAAAEgAAACQAAAASAAAAAAAAAAAAAAAAAAAAAEAAABQAAAAAAAAAAAA4D8AAAAAAADgPwAAAAAAAOA/AAAAAAAA4D8AAAAAAADgPwAAAAAAAOA/AAAAAAAA4D8AAAAAAADgPwAAAAAAAOA/AAAAAAAA4D8CAAAAjAAAAAAAAAAAAAAAu+DjDP///wgAAAAAAAAAAAAAAAAAAAAAAAAAAAAAAAAAAAAAZAAAAAEAAABAAAAAAAAAAAAAAAAAAAAAAAAAAAAAAAAAAAAAAAAAAAAAAAAAAAAAAAAAAAAAAAAAAAAAAAAAAAAAAAAAAAAAAAAAAAAAAAAAAAAAAAAAAAAAAAAAAAAAFAAAADwAAAAAAAAAAAAAAAAAAAkUAAAAAQAAABQAAAAUAAAAFAAAAAEAAAAAAAAAZAAAAGQAAAAAAAAAZAAAAGQAAAAVAAAAYAAAAAAAAAAAAAAADwAAACADAAAAAAAAAAAAAAEAAACgMgAAVgcAAKr4//8BAAAAf39/AAEAAABkAAAAAAAAABQAAABAHwAAAAAAACYAAAAAAAAAwOD//wAAAAAmAAAAZAAAABYAAABMAAAAAAAAAAAAAAAEAAAAAAAAAAEAAACAgIAKAAAAACgAAAAoAAAAZAAAAGQAAAAAAAAAzMzMAAAAAABQAAAAUAAAAGQAAABkAAAAAAAAABcAAAAUAAAAAAAAAAAAAAD/fwAA/38AAAAAAAAJAAAABAAAAAAAAAAeAAAAaAAAAAAAAAAAAAAAAAAAAAAAAAAAAAAAECcAABAnAAAAAAAAAAAAAAAAAAAAAAAAAAAAAAAAAAAAAAAAAAAAABQAAAAAAAAAwMD/AAAAAABkAAAAMgAAAAAAAABkAAAAAAAAAH9/fwAKAAAAIgAAABgAAAAAAAAAAAAAAAAAAAAAAAAAAAAAAAAAAAAkAAAAJAAAAAAAAAAHAAAAAAAAAAAAAAAAAAAAAAAAAAAAAAAAAAAAf39/ACUAAABYAAAAAAAAAAAAAAAAAAAAAAAAAAAAAAAAAAAAAAAAAAAAAAAAAAAAAAAAAAAAAAA/AAAAAAAAAKCGAQAAAAAAAAAAAAAAAAAMAAAAAQAAAAAAAAAAAAAAAAAAAB8AAABUAAAAAAAABQAAAAEAAAAAAAAAAAAAAAAAAAAAAAAAAAAAAAAAAAAAAAAAAAAAAAJ/f38AAAAAA8zMzADAwP8Af39/AAAAAAAAAAAAAAAAAAAAAAAAAAAAIQAAABgAAAAUAAAAwAMAAGENAADjJAAAsCUAABAAAAAmAAAACAAAAAGAAAAAAAAA"/>
+                <pr:smNativeData xmlns:mc="http://schemas.openxmlformats.org/markup-compatibility/2006" xmlns:p14="http://schemas.microsoft.com/office/powerpoint/2010/main" xmlns:p15="http://schemas.microsoft.com/office/powerpoint/2012/main" xmlns:pr="smNativeData" xmlns="smNativeData" val="SMDATA_15_PhJKaRMAAAAlAAAAZAAAAA0AAAAAkAAAAEgAAACQAAAASAAAAAAAAAAAAAAAAAAAAAEAAABQAAAAAAAAAAAA4D8AAAAAAADgPwAAAAAAAOA/AAAAAAAA4D8AAAAAAADgPwAAAAAAAOA/AAAAAAAA4D8AAAAAAADgPwAAAAAAAOA/AAAAAAAA4D8CAAAAjAAAAAAAAAAAAAAAu+DjDP///wgAAAAAAAAAAAAAAAAAAAAAAAAAAAAAAAAAAAAAZAAAAAEAAABAAAAAAAAAAAAAAAAAAAAAAAAAAAAAAAAAAAAAAAAAAAAAAAAAAAAAAAAAAAAAAAAAAAAAAAAAAAAAAAAAAAAAAAAAAAAAAAAAAAAAAAAAAAAAAAAAAAAAFAAAADwAAAAAAAAAAAAAAAAAAAkUAAAAAQAAABQAAAAUAAAAFAAAAAEAAAAAAAAAZAAAAGQAAAAAAAAAZAAAAGQAAAAVAAAAYAAAAAAAAAAAAAAADwAAACADAAAAAAAAAAAAAAEAAACgMgAAVgcAAKr4//8BAAAAf39/AAEAAABkAAAAAAAAABQAAABAHwAAAAAAACYAAAAAAAAAwOD//wAAAAAmAAAAZAAAABYAAABMAAAAAAAAAAAAAAAEAAAAAAAAAAEAAACAgIAKAAAAACgAAAAoAAAAZAAAAGQAAAAAAAAAzMzMAAAAAABQAAAAUAAAAGQAAABkAAAAAAAAABcAAAAUAAAAAAAAAAAAAAD/fwAA/38AAAAAAAAJAAAABAAAAAAAAAAeAAAAaAAAAAAAAAAAAAAAAAAAAAAAAAAAAAAAECcAABAnAAAAAAAAAAAAAAAAAAAAAAAAAAAAAAAAAAAAAAAAAAAAABQAAAAAAAAAwMD/AAAAAABkAAAAMgAAAAAAAABkAAAAAAAAAH9/fwAKAAAAIgAAABgAAAAAAAAAAAAAAAAAAAAAAAAAAAAAAAAAAAAkAAAAJAAAAAAAAAAHAAAAAAAAAAAAAAAAAAAAAAAAAAAAAAAAAAAAf39/ACUAAABYAAAAAAAAAAAAAAAAAAAAAAAAAAAAAAAAAAAAAAAAAAAAAAAAAAAAAAAAAAAAAAA/AAAAAAAAAKCGAQAAAAAAAAAAAAAAAAAMAAAAAQAAAAAAAAAAAAAAAAAAAB8AAABUAAAAAAAABQAAAAEAAAAAAAAAAAAAAAAAAAAAAAAAAAAAAAAAAAAAAAAAAAAAAAJ/f38AAAAAA8zMzADAwP8Af39/AAAAAAAAAAAAAAAAAAAAAAAAAAAAIQAAABgAAAAUAAAAwAMAAGENAADjJAAAsCUAABAAAAAmAAAACAAAAAGAAAAAAAAA"/>
               </a:ext>
             </a:extLst>
           </p:cNvSpPr>
@@ -1676,7 +1683,6 @@
             </a:lvl9pPr>
           </a:lstStyle>
           <a:p>
-            <a:pPr/>
             <a:r>
               <a:t>Click to edit Master text styles</a:t>
             </a:r>
@@ -1714,7 +1720,7 @@
             <a:spLocks noGrp="1" noChangeArrowheads="1"/>
             <a:extLst>
               <a:ext uri="smNativeData">
-                <pr:smNativeData xmlns:pr="smNativeData" xmlns="smNativeData" val="SMDATA_15_PhJKaRMAAAAlAAAAZAAAAA0AAAAAkAAAAEgAAACQAAAASAAAAAAAAAACAAAAAAAAAAEAAABQAAAAAAAAAAAA4D8AAAAAAADgPwAAAAAAAOA/AAAAAAAA4D8AAAAAAADgPwAAAAAAAOA/AAAAAAAA4D8AAAAAAADgPwAAAAAAAOA/AAAAAAAA4D8CAAAAjAAAAAAAAAAAAAAAu+DjDP///wgAAAAAAAAAAAAAAAAAAAAAAAAAAAAAAAAAAAAAZAAAAAEAAABAAAAAAAAAAAAAAAAAAAAAAAAAAAAAAAAAAAAAAAAAAAAAAAAAAAAAAAAAAAAAAAAAAAAAAAAAAAAAAAAAAAAAAAAAAAAAAAAAAAAAAAAAAAAAAAAAAAAAFAAAADwAAAAAAAAAAAAAAAAAAAkUAAAAAQAAABQAAAAUAAAAFAAAAAEAAAAAAAAAZAAAAGQAAAAAAAAAZAAAAGQAAAAVAAAAYAAAAAAAAAAAAAAADwAAACADAAAAAAAAAAAAAAEAAACgMgAAVgcAAKr4//8BAAAAf39/AAEAAABkAAAAAAAAABQAAABAHwAAAAAAACYAAAAAAAAAwOD//wAAAAAmAAAAZAAAABYAAABMAAAAAAAAAAAAAAAEAAAAAAAAAAEAAACAgIAKAAAAACgAAAAoAAAAZAAAAGQAAAAAAAAAzMzMAAAAAABQAAAAUAAAAGQAAABkAAAAAAAAABcAAAAUAAAAAAAAAAAAAAD/fwAA/38AAAAAAAAJAAAABAAAAPL1+v8eAAAAaAAAAAAAAAAAAAAAAAAAAAAAAAAAAAAAECcAABAnAAAAAAAAAAAAAAAAAAAAAAAAAAAAAAAAAAAAAAAAAAAAABQAAAAAAAAAwMD/AAAAAABkAAAAMgAAAAAAAABkAAAAAAAAAH9/fwAKAAAAIgAAABgAAAAAAAAAAAAAAAAAAAAAAAAAAAAAAAAAAAAkAAAAJAAAAAAAAAAHAAAAAAAAAAAAAAAAAAAAAAAAAAAAAAAAAAAAf39/ACUAAABYAAAAAAAAAAAAAAAAAAAAAAAAAAAAAAAAAAAAAAAAAAAAAAAAAAAAAAAAAAAAAAA/AAAAAAAAAKCGAQAAAAAAAAAAAAAAAAAMAAAAAQAAAAAAAAAAAAAAAAAAAB8AAABUAAAAAAAABQAAAAEAAAAAAAAAAAAAAAAAAAAAAAAAAAAAAAAAAAAAAAAAAAAAAAJ/f38AAAAAA8zMzADAwP8Af39/AAAAAAAAAAAAAAAAAAAAAAAAAAAAIQAAABgAAAAUAAAAHSYAAHEJAABARwAAYQ0AABAAAAAmAAAACAAAAIGQAAAAAAAA"/>
+                <pr:smNativeData xmlns:mc="http://schemas.openxmlformats.org/markup-compatibility/2006" xmlns:p14="http://schemas.microsoft.com/office/powerpoint/2010/main" xmlns:p15="http://schemas.microsoft.com/office/powerpoint/2012/main" xmlns:pr="smNativeData" xmlns="smNativeData" val="SMDATA_15_PhJKaRMAAAAlAAAAZAAAAA0AAAAAkAAAAEgAAACQAAAASAAAAAAAAAACAAAAAAAAAAEAAABQAAAAAAAAAAAA4D8AAAAAAADgPwAAAAAAAOA/AAAAAAAA4D8AAAAAAADgPwAAAAAAAOA/AAAAAAAA4D8AAAAAAADgPwAAAAAAAOA/AAAAAAAA4D8CAAAAjAAAAAAAAAAAAAAAu+DjDP///wgAAAAAAAAAAAAAAAAAAAAAAAAAAAAAAAAAAAAAZAAAAAEAAABAAAAAAAAAAAAAAAAAAAAAAAAAAAAAAAAAAAAAAAAAAAAAAAAAAAAAAAAAAAAAAAAAAAAAAAAAAAAAAAAAAAAAAAAAAAAAAAAAAAAAAAAAAAAAAAAAAAAAFAAAADwAAAAAAAAAAAAAAAAAAAkUAAAAAQAAABQAAAAUAAAAFAAAAAEAAAAAAAAAZAAAAGQAAAAAAAAAZAAAAGQAAAAVAAAAYAAAAAAAAAAAAAAADwAAACADAAAAAAAAAAAAAAEAAACgMgAAVgcAAKr4//8BAAAAf39/AAEAAABkAAAAAAAAABQAAABAHwAAAAAAACYAAAAAAAAAwOD//wAAAAAmAAAAZAAAABYAAABMAAAAAAAAAAAAAAAEAAAAAAAAAAEAAACAgIAKAAAAACgAAAAoAAAAZAAAAGQAAAAAAAAAzMzMAAAAAABQAAAAUAAAAGQAAABkAAAAAAAAABcAAAAUAAAAAAAAAAAAAAD/fwAA/38AAAAAAAAJAAAABAAAAPL1+v8eAAAAaAAAAAAAAAAAAAAAAAAAAAAAAAAAAAAAECcAABAnAAAAAAAAAAAAAAAAAAAAAAAAAAAAAAAAAAAAAAAAAAAAABQAAAAAAAAAwMD/AAAAAABkAAAAMgAAAAAAAABkAAAAAAAAAH9/fwAKAAAAIgAAABgAAAAAAAAAAAAAAAAAAAAAAAAAAAAAAAAAAAAkAAAAJAAAAAAAAAAHAAAAAAAAAAAAAAAAAAAAAAAAAAAAAAAAAAAAf39/ACUAAABYAAAAAAAAAAAAAAAAAAAAAAAAAAAAAAAAAAAAAAAAAAAAAAAAAAAAAAAAAAAAAAA/AAAAAAAAAKCGAQAAAAAAAAAAAAAAAAAMAAAAAQAAAAAAAAAAAAAAAAAAAB8AAABUAAAAAAAABQAAAAEAAAAAAAAAAAAAAAAAAAAAAAAAAAAAAAAAAAAAAAAAAAAAAAJ/f38AAAAAA8zMzADAwP8Af39/AAAAAAAAAAAAAAAAAAAAAAAAAAAAIQAAABgAAAAUAAAAHSYAAHEJAABARwAAYQ0AABAAAAAmAAAACAAAAIGQAAAAAAAA"/>
               </a:ext>
             </a:extLst>
           </p:cNvSpPr>
@@ -1773,7 +1779,6 @@
             </a:lvl9pPr>
           </a:lstStyle>
           <a:p>
-            <a:pPr/>
             <a:r>
               <a:t>Click to edit Master text styles</a:t>
             </a:r>
@@ -1787,7 +1792,7 @@
             <a:spLocks noGrp="1" noChangeArrowheads="1"/>
             <a:extLst>
               <a:ext uri="smNativeData">
-                <pr:smNativeData xmlns:pr="smNativeData" xmlns="smNativeData" val="SMDATA_15_PhJKaRMAAAAlAAAAZAAAAA0AAAAAkAAAAEgAAACQAAAASAAAAAAAAAAAAAAAAAAAAAEAAABQAAAAAAAAAAAA4D8AAAAAAADgPwAAAAAAAOA/AAAAAAAA4D8AAAAAAADgPwAAAAAAAOA/AAAAAAAA4D8AAAAAAADgPwAAAAAAAOA/AAAAAAAA4D8CAAAAjAAAAAAAAAAAAAAAu+DjDP///wgAAAAAAAAAAAAAAAAAAAAAAAAAAAAAAAAAAAAAZAAAAAEAAABAAAAAAAAAAAAAAAAAAAAAAAAAAAAAAAAAAAAAAAAAAAAAAAAAAAAAAAAAAAAAAAAAAAAAAAAAAAAAAAAAAAAAAAAAAAAAAAAAAAAAAAAAAAAAAAAAAAAAFAAAADwAAAAAAAAAAAAAAAAAAAkUAAAAAQAAABQAAAAUAAAAFAAAAAEAAAAAAAAAZAAAAGQAAAAAAAAAZAAAAGQAAAAVAAAAYAAAAAAAAAAAAAAADwAAACADAAAAAAAAAAAAAAEAAACgMgAAVgcAAKr4//8BAAAAf39/AAEAAABkAAAAAAAAABQAAABAHwAAAAAAACYAAAAAAAAAwOD//wAAAAAmAAAAZAAAABYAAABMAAAAAAAAAAAAAAAEAAAAAAAAAAEAAACAgIAKAAAAACgAAAAoAAAAZAAAAGQAAAAAAAAAzMzMAAAAAABQAAAAUAAAAGQAAABkAAAAAAAAABcAAAAUAAAAAAAAAAAAAAD/fwAA/38AAAAAAAAJAAAABAAAAJ/J8f8eAAAAaAAAAAAAAAAAAAAAAAAAAAAAAAAAAAAAECcAABAnAAAAAAAAAAAAAAAAAAAAAAAAAAAAAAAAAAAAAAAAAAAAABQAAAAAAAAAwMD/AAAAAABkAAAAMgAAAAAAAABkAAAAAAAAAH9/fwAKAAAAIgAAABgAAAAAAAAAAAAAAAAAAAAAAAAAAAAAAAAAAAAkAAAAJAAAAAAAAAAHAAAAAAAAAAAAAAAAAAAAAAAAAAAAAAAAAAAAf39/ACUAAABYAAAAAAAAAAAAAAAAAAAAAAAAAAAAAAAAAAAAAAAAAAAAAAAAAAAAAAAAAAAAAAA/AAAAAAAAAKCGAQAAAAAAAAAAAAAAAAAMAAAAAQAAAAAAAAAAAAAAAAAAAB8AAABUAAAAAAAABQAAAAEAAAAAAAAAAAAAAAAAAAAAAAAAAAAAAAAAAAAAAAAAAAAAAAJ/f38AAAAAA8zMzADAwP8Af39/AAAAAAAAAAAAAAAAAAAAAAAAAAAAIQAAABgAAAAUAAAAHSYAAGENAABARwAAsCUAABAAAAAmAAAACAAAAAGAAAAAAAAA"/>
+                <pr:smNativeData xmlns:mc="http://schemas.openxmlformats.org/markup-compatibility/2006" xmlns:p14="http://schemas.microsoft.com/office/powerpoint/2010/main" xmlns:p15="http://schemas.microsoft.com/office/powerpoint/2012/main" xmlns:pr="smNativeData" xmlns="smNativeData" val="SMDATA_15_PhJKaRMAAAAlAAAAZAAAAA0AAAAAkAAAAEgAAACQAAAASAAAAAAAAAAAAAAAAAAAAAEAAABQAAAAAAAAAAAA4D8AAAAAAADgPwAAAAAAAOA/AAAAAAAA4D8AAAAAAADgPwAAAAAAAOA/AAAAAAAA4D8AAAAAAADgPwAAAAAAAOA/AAAAAAAA4D8CAAAAjAAAAAAAAAAAAAAAu+DjDP///wgAAAAAAAAAAAAAAAAAAAAAAAAAAAAAAAAAAAAAZAAAAAEAAABAAAAAAAAAAAAAAAAAAAAAAAAAAAAAAAAAAAAAAAAAAAAAAAAAAAAAAAAAAAAAAAAAAAAAAAAAAAAAAAAAAAAAAAAAAAAAAAAAAAAAAAAAAAAAAAAAAAAAFAAAADwAAAAAAAAAAAAAAAAAAAkUAAAAAQAAABQAAAAUAAAAFAAAAAEAAAAAAAAAZAAAAGQAAAAAAAAAZAAAAGQAAAAVAAAAYAAAAAAAAAAAAAAADwAAACADAAAAAAAAAAAAAAEAAACgMgAAVgcAAKr4//8BAAAAf39/AAEAAABkAAAAAAAAABQAAABAHwAAAAAAACYAAAAAAAAAwOD//wAAAAAmAAAAZAAAABYAAABMAAAAAAAAAAAAAAAEAAAAAAAAAAEAAACAgIAKAAAAACgAAAAoAAAAZAAAAGQAAAAAAAAAzMzMAAAAAABQAAAAUAAAAGQAAABkAAAAAAAAABcAAAAUAAAAAAAAAAAAAAD/fwAA/38AAAAAAAAJAAAABAAAAJ/J8f8eAAAAaAAAAAAAAAAAAAAAAAAAAAAAAAAAAAAAECcAABAnAAAAAAAAAAAAAAAAAAAAAAAAAAAAAAAAAAAAAAAAAAAAABQAAAAAAAAAwMD/AAAAAABkAAAAMgAAAAAAAABkAAAAAAAAAH9/fwAKAAAAIgAAABgAAAAAAAAAAAAAAAAAAAAAAAAAAAAAAAAAAAAkAAAAJAAAAAAAAAAHAAAAAAAAAAAAAAAAAAAAAAAAAAAAAAAAAAAAf39/ACUAAABYAAAAAAAAAAAAAAAAAAAAAAAAAAAAAAAAAAAAAAAAAAAAAAAAAAAAAAAAAAAAAAA/AAAAAAAAAKCGAQAAAAAAAAAAAAAAAAAMAAAAAQAAAAAAAAAAAAAAAAAAAB8AAABUAAAAAAAABQAAAAEAAAAAAAAAAAAAAAAAAAAAAAAAAAAAAAAAAAAAAAAAAAAAAAJ/f38AAAAAA8zMzADAwP8Af39/AAAAAAAAAAAAAAAAAAAAAAAAAAAAIQAAABgAAAAUAAAAHSYAAGENAABARwAAsCUAABAAAAAmAAAACAAAAAGAAAAAAAAA"/>
               </a:ext>
             </a:extLst>
           </p:cNvSpPr>
@@ -1833,7 +1838,6 @@
             </a:lvl9pPr>
           </a:lstStyle>
           <a:p>
-            <a:pPr/>
             <a:r>
               <a:t>Click to edit Master text styles</a:t>
             </a:r>
@@ -1871,7 +1875,7 @@
             <a:spLocks noGrp="1" noChangeArrowheads="1"/>
             <a:extLst>
               <a:ext uri="smNativeData">
-                <pr:smNativeData xmlns:pr="smNativeData" xmlns="smNativeData" val="SMDATA_15_PhJKaRMAAAAlAAAAZAAAAA0AAAAAkAAAAEgAAACQAAAASAAAAAAAAAABAAAAAAAAAAEAAABQAAAAAAAAAAAA4D8AAAAAAADgPwAAAAAAAOA/AAAAAAAA4D8AAAAAAADgPwAAAAAAAOA/AAAAAAAA4D8AAAAAAADgPwAAAAAAAOA/AAAAAAAA4D8CAAAAjAAAAAAAAAAAAAAAu+DjDP///wgAAAAAAAAAAAAAAAAAAAAAAAAAAAAAAAAAAAAAZAAAAAEAAABAAAAAAAAAAAAAAAAAAAAAAAAAAAAAAAAAAAAAAAAAAAAAAAAAAAAAAAAAAAAAAAAAAAAAAAAAAAAAAAAAAAAAAAAAAAAAAAAAAAAAAAAAAAAAAAAAAAAAFAAAADwAAAAAAAAAAAAAAAAAAAkUAAAAAQAAABQAAAAUAAAAFAAAAAEAAAAAAAAAZAAAAGQAAAAAAAAAZAAAAGQAAAAVAAAAYAAAAAAAAAAAAAAADwAAACADAAAAAAAAAAAAAAEAAACgMgAAVgcAAKr4//8BAAAAf39/AAEAAABkAAAAAAAAABQAAABAHwAAAAAAACYAAAAAAAAAwOD//wAAAAAmAAAAZAAAABYAAABMAAAAAAAAAAAAAAAEAAAAAAAAAAEAAACAgIAKAAAAACgAAAAoAAAAZAAAAGQAAAAAAAAAzMzMAAAAAABQAAAAUAAAAGQAAABkAAAAAAAAABcAAAAUAAAAAAAAAAAAAAD/fwAA/38AAAAAAAAJAAAABAAAAOrv9v8eAAAAaAAAAAAAAAAAAAAAAAAAAAAAAAAAAAAAECcAABAnAAAAAAAAAAAAAAAAAAAAAAAAAAAAAAAAAAAAAAAAAAAAABQAAAAAAAAAwMD/AAAAAABkAAAAMgAAAAAAAABkAAAAAAAAAH9/fwAKAAAAIgAAABgAAAAAAAAAAAAAAAAAAAAAAAAAAAAAAAAAAAAkAAAAJAAAAAAAAAAHAAAAAAAAAAAAAAAAAAAAAAAAAAAAAAAAAAAAf39/ACUAAABYAAAAAAAAAAAAAAAAAAAAAAAAAAAAAAAAAAAAAAAAAAAAAAAAAAAAAAAAAAAAAAA/AAAAAAAAAKCGAQAAAAAAAAAAAAAAAAAMAAAAAQAAAAAAAAAAAAAAAAAAAB8AAABUAAAAAAAABQAAAAEAAAAAAAAAAAAAAAAAAAAAAAAAAAAAAAAAAAAAAAAAAAAAAAJ/f38AAAAAA8zMzADAwP8Af39/AAAAAAAAAAAAAAAAAAAAAAAAAAAAIQAAABgAAAAUAAAAwAMAABsnAAA/FQAAWSkAABAAAAAmAAAACAAAAAAAAAAAAAAA"/>
+                <pr:smNativeData xmlns:mc="http://schemas.openxmlformats.org/markup-compatibility/2006" xmlns:p14="http://schemas.microsoft.com/office/powerpoint/2010/main" xmlns:p15="http://schemas.microsoft.com/office/powerpoint/2012/main" xmlns:pr="smNativeData" xmlns="smNativeData" val="SMDATA_15_PhJKaRMAAAAlAAAAZAAAAA0AAAAAkAAAAEgAAACQAAAASAAAAAAAAAABAAAAAAAAAAEAAABQAAAAAAAAAAAA4D8AAAAAAADgPwAAAAAAAOA/AAAAAAAA4D8AAAAAAADgPwAAAAAAAOA/AAAAAAAA4D8AAAAAAADgPwAAAAAAAOA/AAAAAAAA4D8CAAAAjAAAAAAAAAAAAAAAu+DjDP///wgAAAAAAAAAAAAAAAAAAAAAAAAAAAAAAAAAAAAAZAAAAAEAAABAAAAAAAAAAAAAAAAAAAAAAAAAAAAAAAAAAAAAAAAAAAAAAAAAAAAAAAAAAAAAAAAAAAAAAAAAAAAAAAAAAAAAAAAAAAAAAAAAAAAAAAAAAAAAAAAAAAAAFAAAADwAAAAAAAAAAAAAAAAAAAkUAAAAAQAAABQAAAAUAAAAFAAAAAEAAAAAAAAAZAAAAGQAAAAAAAAAZAAAAGQAAAAVAAAAYAAAAAAAAAAAAAAADwAAACADAAAAAAAAAAAAAAEAAACgMgAAVgcAAKr4//8BAAAAf39/AAEAAABkAAAAAAAAABQAAABAHwAAAAAAACYAAAAAAAAAwOD//wAAAAAmAAAAZAAAABYAAABMAAAAAAAAAAAAAAAEAAAAAAAAAAEAAACAgIAKAAAAACgAAAAoAAAAZAAAAGQAAAAAAAAAzMzMAAAAAABQAAAAUAAAAGQAAABkAAAAAAAAABcAAAAUAAAAAAAAAAAAAAD/fwAA/38AAAAAAAAJAAAABAAAAOrv9v8eAAAAaAAAAAAAAAAAAAAAAAAAAAAAAAAAAAAAECcAABAnAAAAAAAAAAAAAAAAAAAAAAAAAAAAAAAAAAAAAAAAAAAAABQAAAAAAAAAwMD/AAAAAABkAAAAMgAAAAAAAABkAAAAAAAAAH9/fwAKAAAAIgAAABgAAAAAAAAAAAAAAAAAAAAAAAAAAAAAAAAAAAAkAAAAJAAAAAAAAAAHAAAAAAAAAAAAAAAAAAAAAAAAAAAAAAAAAAAAf39/ACUAAABYAAAAAAAAAAAAAAAAAAAAAAAAAAAAAAAAAAAAAAAAAAAAAAAAAAAAAAAAAAAAAAA/AAAAAAAAAKCGAQAAAAAAAAAAAAAAAAAMAAAAAQAAAAAAAAAAAAAAAAAAAB8AAABUAAAAAAAABQAAAAEAAAAAAAAAAAAAAAAAAAAAAAAAAAAAAAAAAAAAAAAAAAAAAAJ/f38AAAAAA8zMzADAwP8Af39/AAAAAAAAAAAAAAAAAAAAAAAAAAAAIQAAABgAAAAUAAAAwAMAABsnAAA/FQAAWSkAABAAAAAmAAAACAAAAAAAAAAAAAAA"/>
               </a:ext>
             </a:extLst>
           </p:cNvSpPr>
@@ -1884,10 +1888,10 @@
           <a:bodyPr/>
           <a:lstStyle/>
           <a:p>
-            <a:pPr/>
             <a:fld id="{0CA79EF9-B7E1-F268-AF1F-413DD0515914}" type="datetime1">
-              <a:t>12/16/2025</a:t>
+              <a:t>12/29/2025</a:t>
             </a:fld>
+            <a:endParaRPr/>
           </a:p>
         </p:txBody>
       </p:sp>
@@ -1898,7 +1902,7 @@
             <a:spLocks noGrp="1" noChangeArrowheads="1"/>
             <a:extLst>
               <a:ext uri="smNativeData">
-                <pr:smNativeData xmlns:pr="smNativeData" xmlns="smNativeData" val="SMDATA_15_PhJKaRMAAAAlAAAAZAAAAA0AAAAAkAAAAEgAAACQAAAASAAAAAAAAAABAAAAAAAAAAEAAABQAAAAAAAAAAAA4D8AAAAAAADgPwAAAAAAAOA/AAAAAAAA4D8AAAAAAADgPwAAAAAAAOA/AAAAAAAA4D8AAAAAAADgPwAAAAAAAOA/AAAAAAAA4D8CAAAAjAAAAAAAAAAAAAAAu+DjDP///wgAAAAAAAAAAAAAAAAAAAAAAAAAAAAAAAAAAAAAZAAAAAEAAABAAAAAAAAAAAAAAAAAAAAAAAAAAAAAAAAAAAAAAAAAAAAAAAAAAAAAAAAAAAAAAAAAAAAAAAAAAAAAAAAAAAAAAAAAAAAAAAAAAAAAAAAAAAAAAAAAAAAAFAAAADwAAAAAAAAAAAAAAAAAAAkUAAAAAQAAABQAAAAUAAAAFAAAAAEAAAAAAAAAZAAAAGQAAAAAAAAAZAAAAGQAAAAVAAAAYAAAAAAAAAAAAAAADwAAACADAAAAAAAAAAAAAAEAAACgMgAAVgcAAKr4//8BAAAAf39/AAEAAABkAAAAAAAAABQAAABAHwAAAAAAACYAAAAAAAAAwOD//wAAAAAmAAAAZAAAABYAAABMAAAAAAAAAAAAAAAEAAAAAAAAAAEAAACAgIAKAAAAACgAAAAoAAAAZAAAAGQAAAAAAAAAzMzMAAAAAABQAAAAUAAAAGQAAABkAAAAAAAAABcAAAAUAAAAAAAAAAAAAAD/fwAA/38AAAAAAAAJAAAABAAAAAAAAAAeAAAAaAAAAAAAAAAAAAAAAAAAAAAAAAAAAAAAECcAABAnAAAAAAAAAAAAAAAAAAAAAAAAAAAAAAAAAAAAAAAAAAAAABQAAAAAAAAAwMD/AAAAAABkAAAAMgAAAAAAAABkAAAAAAAAAH9/fwAKAAAAIgAAABgAAAAAAAAAAAAAAAAAAAAAAAAAAAAAAAAAAAAkAAAAJAAAAAAAAAAHAAAAAAAAAAAAAAAAAAAAAAAAAAAAAAAAAAAAf39/ACUAAABYAAAAAAAAAAAAAAAAAAAAAAAAAAAAAAAAAAAAAAAAAAAAAAAAAAAAAAAAAAAAAAA/AAAAAAAAAKCGAQAAAAAAAAAAAAAAAAAMAAAAAQAAAAAAAAAAAAAAAAAAAB8AAABUAAAAAAAABQAAAAEAAAAAAAAAAAAAAAAAAAAAAAAAAAAAAAAAAAAAAAAAAAAAAAJ/f38AAAAAA8zMzADAwP8Af39/AAAAAAAAAAAAAAAAAAAAAAAAAAAAIQAAABgAAAAUAAAAoRkAABsnAABfMQAAWSkAABAAAAAmAAAACAAAAAAAAAAAAAAA"/>
+                <pr:smNativeData xmlns:mc="http://schemas.openxmlformats.org/markup-compatibility/2006" xmlns:p14="http://schemas.microsoft.com/office/powerpoint/2010/main" xmlns:p15="http://schemas.microsoft.com/office/powerpoint/2012/main" xmlns:pr="smNativeData" xmlns="smNativeData" val="SMDATA_15_PhJKaRMAAAAlAAAAZAAAAA0AAAAAkAAAAEgAAACQAAAASAAAAAAAAAABAAAAAAAAAAEAAABQAAAAAAAAAAAA4D8AAAAAAADgPwAAAAAAAOA/AAAAAAAA4D8AAAAAAADgPwAAAAAAAOA/AAAAAAAA4D8AAAAAAADgPwAAAAAAAOA/AAAAAAAA4D8CAAAAjAAAAAAAAAAAAAAAu+DjDP///wgAAAAAAAAAAAAAAAAAAAAAAAAAAAAAAAAAAAAAZAAAAAEAAABAAAAAAAAAAAAAAAAAAAAAAAAAAAAAAAAAAAAAAAAAAAAAAAAAAAAAAAAAAAAAAAAAAAAAAAAAAAAAAAAAAAAAAAAAAAAAAAAAAAAAAAAAAAAAAAAAAAAAFAAAADwAAAAAAAAAAAAAAAAAAAkUAAAAAQAAABQAAAAUAAAAFAAAAAEAAAAAAAAAZAAAAGQAAAAAAAAAZAAAAGQAAAAVAAAAYAAAAAAAAAAAAAAADwAAACADAAAAAAAAAAAAAAEAAACgMgAAVgcAAKr4//8BAAAAf39/AAEAAABkAAAAAAAAABQAAABAHwAAAAAAACYAAAAAAAAAwOD//wAAAAAmAAAAZAAAABYAAABMAAAAAAAAAAAAAAAEAAAAAAAAAAEAAACAgIAKAAAAACgAAAAoAAAAZAAAAGQAAAAAAAAAzMzMAAAAAABQAAAAUAAAAGQAAABkAAAAAAAAABcAAAAUAAAAAAAAAAAAAAD/fwAA/38AAAAAAAAJAAAABAAAAAAAAAAeAAAAaAAAAAAAAAAAAAAAAAAAAAAAAAAAAAAAECcAABAnAAAAAAAAAAAAAAAAAAAAAAAAAAAAAAAAAAAAAAAAAAAAABQAAAAAAAAAwMD/AAAAAABkAAAAMgAAAAAAAABkAAAAAAAAAH9/fwAKAAAAIgAAABgAAAAAAAAAAAAAAAAAAAAAAAAAAAAAAAAAAAAkAAAAJAAAAAAAAAAHAAAAAAAAAAAAAAAAAAAAAAAAAAAAAAAAAAAAf39/ACUAAABYAAAAAAAAAAAAAAAAAAAAAAAAAAAAAAAAAAAAAAAAAAAAAAAAAAAAAAAAAAAAAAA/AAAAAAAAAKCGAQAAAAAAAAAAAAAAAAAMAAAAAQAAAAAAAAAAAAAAAAAAAB8AAABUAAAAAAAABQAAAAEAAAAAAAAAAAAAAAAAAAAAAAAAAAAAAAAAAAAAAAAAAAAAAAJ/f38AAAAAA8zMzADAwP8Af39/AAAAAAAAAAAAAAAAAAAAAAAAAAAAIQAAABgAAAAUAAAAoRkAABsnAABfMQAAWSkAABAAAAAmAAAACAAAAAAAAAAAAAAA"/>
               </a:ext>
             </a:extLst>
           </p:cNvSpPr>
@@ -1911,7 +1915,7 @@
           <a:bodyPr/>
           <a:lstStyle/>
           <a:p>
-            <a:pPr/>
+            <a:endParaRPr/>
           </a:p>
         </p:txBody>
       </p:sp>
@@ -1922,7 +1926,7 @@
             <a:spLocks noGrp="1" noChangeArrowheads="1"/>
             <a:extLst>
               <a:ext uri="smNativeData">
-                <pr:smNativeData xmlns:pr="smNativeData" xmlns="smNativeData" val="SMDATA_15_PhJKaRMAAAAlAAAAZAAAAA0AAAAAkAAAAEgAAACQAAAASAAAAAAAAAABAAAAAAAAAAEAAABQAAAAAAAAAAAA4D8AAAAAAADgPwAAAAAAAOA/AAAAAAAA4D8AAAAAAADgPwAAAAAAAOA/AAAAAAAA4D8AAAAAAADgPwAAAAAAAOA/AAAAAAAA4D8CAAAAjAAAAAAAAAAAAAAAu+DjDP///wgAAAAAAAAAAAAAAAAAAAAAAAAAAAAAAAAAAAAAZAAAAAEAAABAAAAAAAAAAAAAAAAAAAAAAAAAAAAAAAAAAAAAAAAAAAAAAAAAAAAAAAAAAAAAAAAAAAAAAAAAAAAAAAAAAAAAAAAAAAAAAAAAAAAAAAAAAAAAAAAAAAAAFAAAADwAAAAAAAAAAAAAAAAAAAkUAAAAAQAAABQAAAAUAAAAFAAAAAEAAAAAAAAAZAAAAGQAAAAAAAAAZAAAAGQAAAAVAAAAYAAAAAAAAAAAAAAADwAAACADAAAAAAAAAAAAAAEAAACgMgAAVgcAAKr4//8BAAAAf39/AAEAAABkAAAAAAAAABQAAABAHwAAAAAAACYAAAAAAAAAwOD//wAAAAAmAAAAZAAAABYAAABMAAAAAAAAAAAAAAAEAAAAAAAAAAEAAACAgIAKAAAAACgAAAAoAAAAZAAAAGQAAAAAAAAAzMzMAAAAAABQAAAAUAAAAGQAAABkAAAAAAAAABcAAAAUAAAAAAAAAAAAAAD/fwAA/38AAAAAAAAJAAAABAAAAADurgIeAAAAaAAAAAAAAAAAAAAAAAAAAAAAAAAAAAAAECcAABAnAAAAAAAAAAAAAAAAAAAAAAAAAAAAAAAAAAAAAAAAAAAAABQAAAAAAAAAwMD/AAAAAABkAAAAMgAAAAAAAABkAAAAAAAAAH9/fwAKAAAAIgAAABgAAAAAAAAAAAAAAAAAAAAAAAAAAAAAAAAAAAAkAAAAJAAAAAAAAAAHAAAAAAAAAAAAAAAAAAAAAAAAAAAAAAAAAAAAf39/ACUAAABYAAAAAAAAAAAAAAAAAAAAAAAAAAAAAAAAAAAAAAAAAAAAAAAAAAAAAAAAAAAAAAA/AAAAAAAAAKCGAQAAAAAAAAAAAAAAAAAMAAAAAQAAAAAAAAAAAAAAAAAAAB8AAABUAAAAAAAABQAAAAEAAAAAAAAAAAAAAAAAAAAAAAAAAAAAAAAAAAAAAAAAAAAAAAJ/f38AAAAAA8zMzADAwP8Af39/AAAAAAAAAAAAAAAAAAAAAAAAAAAAIQAAABgAAAAUAAAAwTUAABsnAABARwAAWSkAABAAAAAmAAAACAAAAAAAAAAAAAAA"/>
+                <pr:smNativeData xmlns:mc="http://schemas.openxmlformats.org/markup-compatibility/2006" xmlns:p14="http://schemas.microsoft.com/office/powerpoint/2010/main" xmlns:p15="http://schemas.microsoft.com/office/powerpoint/2012/main" xmlns:pr="smNativeData" xmlns="smNativeData" val="SMDATA_15_PhJKaRMAAAAlAAAAZAAAAA0AAAAAkAAAAEgAAACQAAAASAAAAAAAAAABAAAAAAAAAAEAAABQAAAAAAAAAAAA4D8AAAAAAADgPwAAAAAAAOA/AAAAAAAA4D8AAAAAAADgPwAAAAAAAOA/AAAAAAAA4D8AAAAAAADgPwAAAAAAAOA/AAAAAAAA4D8CAAAAjAAAAAAAAAAAAAAAu+DjDP///wgAAAAAAAAAAAAAAAAAAAAAAAAAAAAAAAAAAAAAZAAAAAEAAABAAAAAAAAAAAAAAAAAAAAAAAAAAAAAAAAAAAAAAAAAAAAAAAAAAAAAAAAAAAAAAAAAAAAAAAAAAAAAAAAAAAAAAAAAAAAAAAAAAAAAAAAAAAAAAAAAAAAAFAAAADwAAAAAAAAAAAAAAAAAAAkUAAAAAQAAABQAAAAUAAAAFAAAAAEAAAAAAAAAZAAAAGQAAAAAAAAAZAAAAGQAAAAVAAAAYAAAAAAAAAAAAAAADwAAACADAAAAAAAAAAAAAAEAAACgMgAAVgcAAKr4//8BAAAAf39/AAEAAABkAAAAAAAAABQAAABAHwAAAAAAACYAAAAAAAAAwOD//wAAAAAmAAAAZAAAABYAAABMAAAAAAAAAAAAAAAEAAAAAAAAAAEAAACAgIAKAAAAACgAAAAoAAAAZAAAAGQAAAAAAAAAzMzMAAAAAABQAAAAUAAAAGQAAABkAAAAAAAAABcAAAAUAAAAAAAAAAAAAAD/fwAA/38AAAAAAAAJAAAABAAAAADurgIeAAAAaAAAAAAAAAAAAAAAAAAAAAAAAAAAAAAAECcAABAnAAAAAAAAAAAAAAAAAAAAAAAAAAAAAAAAAAAAAAAAAAAAABQAAAAAAAAAwMD/AAAAAABkAAAAMgAAAAAAAABkAAAAAAAAAH9/fwAKAAAAIgAAABgAAAAAAAAAAAAAAAAAAAAAAAAAAAAAAAAAAAAkAAAAJAAAAAAAAAAHAAAAAAAAAAAAAAAAAAAAAAAAAAAAAAAAAAAAf39/ACUAAABYAAAAAAAAAAAAAAAAAAAAAAAAAAAAAAAAAAAAAAAAAAAAAAAAAAAAAAAAAAAAAAA/AAAAAAAAAKCGAQAAAAAAAAAAAAAAAAAMAAAAAQAAAAAAAAAAAAAAAAAAAB8AAABUAAAAAAAABQAAAAEAAAAAAAAAAAAAAAAAAAAAAAAAAAAAAAAAAAAAAAAAAAAAAAJ/f38AAAAAA8zMzADAwP8Af39/AAAAAAAAAAAAAAAAAAAAAAAAAAAAIQAAABgAAAAUAAAAwTUAABsnAABARwAAWSkAABAAAAAmAAAACAAAAAAAAAAAAAAA"/>
               </a:ext>
             </a:extLst>
           </p:cNvSpPr>
@@ -1935,10 +1939,10 @@
           <a:bodyPr/>
           <a:lstStyle/>
           <a:p>
-            <a:pPr/>
             <a:fld id="{0CA7F886-C8E1-F20E-AF1F-3E5BB651596B}" type="slidenum">
               <a:t>‹#›</a:t>
             </a:fld>
+            <a:endParaRPr/>
           </a:p>
         </p:txBody>
       </p:sp>
@@ -1952,7 +1956,7 @@
 </file>
 
 <file path=ppt/slideLayouts/slideLayout6.xml><?xml version="1.0" encoding="utf-8"?>
-<p:sldLayout xmlns:p="http://schemas.openxmlformats.org/presentationml/2006/main" xmlns:mc="http://schemas.openxmlformats.org/markup-compatibility/2006" xmlns:p14="http://schemas.microsoft.com/office/powerpoint/2010/main" xmlns:p15="http://schemas.microsoft.com/office/powerpoint/2012/main" xmlns:r="http://schemas.openxmlformats.org/officeDocument/2006/relationships" xmlns:a="http://schemas.openxmlformats.org/drawingml/2006/main" type="titleOnly">
+<p:sldLayout xmlns:a="http://schemas.openxmlformats.org/drawingml/2006/main" xmlns:r="http://schemas.openxmlformats.org/officeDocument/2006/relationships" xmlns:p="http://schemas.openxmlformats.org/presentationml/2006/main" type="titleOnly">
   <p:cSld name="Title only">
     <p:spTree>
       <p:nvGrpSpPr>
@@ -1975,7 +1979,7 @@
             <a:spLocks noGrp="1" noChangeArrowheads="1"/>
             <a:extLst>
               <a:ext uri="smNativeData">
-                <pr:smNativeData xmlns:pr="smNativeData" xmlns="smNativeData" val="SMDATA_15_PhJKaRMAAAAlAAAAZAAAAA0AAAAAkAAAAEgAAACQAAAASAAAAAAAAAABAAAAAAAAAAEAAABQAAAAAAAAAAAA4D8AAAAAAADgPwAAAAAAAOA/AAAAAAAA4D8AAAAAAADgPwAAAAAAAOA/AAAAAAAA4D8AAAAAAADgPwAAAAAAAOA/AAAAAAAA4D8CAAAAjAAAAAAAAAAAAAAAu+DjDP///wgAAAAAAAAAAAAAAAAAAAAAAAAAAAAAAAAAAAAAZAAAAAEAAABAAAAAAAAAAAAAAAAAAAAAAAAAAAAAAAAAAAAAAAAAAAAAAAAAAAAAAAAAAAAAAAAAAAAAAAAAAAAAAAAAAAAAAAAAAAAAAAAAAAAAAAAAAAAAAAAAAAAAFAAAADwAAAAAAAAAAAAAAAAAAAkUAAAAAQAAABQAAAAUAAAAFAAAAAEAAAAAAAAAZAAAAGQAAAAAAAAAZAAAAGQAAAAVAAAAYAAAAAAAAAAAAAAADwAAACADAAAAAAAAAAAAAAEAAACgMgAAVgcAAKr4//8BAAAAf39/AAEAAABkAAAAAAAAABQAAABAHwAAAAAAACYAAAAAAAAAwOD//wAAAAAmAAAAZAAAABYAAABMAAAAAAAAAAAAAAAEAAAAAAAAAAEAAACAgIAKAAAAACgAAAAoAAAAZAAAAGQAAAAAAAAAzMzMAAAAAABQAAAAUAAAAGQAAABkAAAAAAAAABcAAAAUAAAAAAAAAAAAAAD/fwAA/38AAAAAAAAJAAAABAAAAPL1+v8eAAAAaAAAAAAAAAAAAAAAAAAAAAAAAAAAAAAAECcAABAnAAAAAAAAAAAAAAAAAAAAAAAAAAAAAAAAAAAAAAAAAAAAABQAAAAAAAAAwMD/AAAAAABkAAAAMgAAAAAAAABkAAAAAAAAAH9/fwAKAAAAIgAAABgAAAAAAAAAAAAAAAAAAAAAAAAAAAAAAAAAAAAkAAAAJAAAAAAAAAAHAAAAAAAAAAAAAAAAAAAAAAAAAAAAAAAAAAAAf39/ACUAAABYAAAAAAAAAAAAAAAAAAAAAAAAAAAAAAAAAAAAAAAAAAAAAAAAAAAAAAAAAAAAAAA/AAAAAAAAAKCGAQAAAAAAAAAAAAAAAAAMAAAAAQAAAAAAAAAAAAAAAAAAAB8AAABUAAAAAAAABQAAAAEAAAAAAAAAAAAAAAAAAAAAAAAAAAAAAAAAAAAAAAAAAAAAAAJ/f38AAAAAA8zMzADAwP8Af39/AAAAAAAAAAAAAAAAAAAAAAAAAAAAIQAAABgAAAAUAAAAwAMAALABAABARwAAuAgAABAAAAAmAAAACAAAAAAAAAAAAAAA"/>
+                <pr:smNativeData xmlns:mc="http://schemas.openxmlformats.org/markup-compatibility/2006" xmlns:p14="http://schemas.microsoft.com/office/powerpoint/2010/main" xmlns:p15="http://schemas.microsoft.com/office/powerpoint/2012/main" xmlns:pr="smNativeData" xmlns="smNativeData" val="SMDATA_15_PhJKaRMAAAAlAAAAZAAAAA0AAAAAkAAAAEgAAACQAAAASAAAAAAAAAABAAAAAAAAAAEAAABQAAAAAAAAAAAA4D8AAAAAAADgPwAAAAAAAOA/AAAAAAAA4D8AAAAAAADgPwAAAAAAAOA/AAAAAAAA4D8AAAAAAADgPwAAAAAAAOA/AAAAAAAA4D8CAAAAjAAAAAAAAAAAAAAAu+DjDP///wgAAAAAAAAAAAAAAAAAAAAAAAAAAAAAAAAAAAAAZAAAAAEAAABAAAAAAAAAAAAAAAAAAAAAAAAAAAAAAAAAAAAAAAAAAAAAAAAAAAAAAAAAAAAAAAAAAAAAAAAAAAAAAAAAAAAAAAAAAAAAAAAAAAAAAAAAAAAAAAAAAAAAFAAAADwAAAAAAAAAAAAAAAAAAAkUAAAAAQAAABQAAAAUAAAAFAAAAAEAAAAAAAAAZAAAAGQAAAAAAAAAZAAAAGQAAAAVAAAAYAAAAAAAAAAAAAAADwAAACADAAAAAAAAAAAAAAEAAACgMgAAVgcAAKr4//8BAAAAf39/AAEAAABkAAAAAAAAABQAAABAHwAAAAAAACYAAAAAAAAAwOD//wAAAAAmAAAAZAAAABYAAABMAAAAAAAAAAAAAAAEAAAAAAAAAAEAAACAgIAKAAAAACgAAAAoAAAAZAAAAGQAAAAAAAAAzMzMAAAAAABQAAAAUAAAAGQAAABkAAAAAAAAABcAAAAUAAAAAAAAAAAAAAD/fwAA/38AAAAAAAAJAAAABAAAAPL1+v8eAAAAaAAAAAAAAAAAAAAAAAAAAAAAAAAAAAAAECcAABAnAAAAAAAAAAAAAAAAAAAAAAAAAAAAAAAAAAAAAAAAAAAAABQAAAAAAAAAwMD/AAAAAABkAAAAMgAAAAAAAABkAAAAAAAAAH9/fwAKAAAAIgAAABgAAAAAAAAAAAAAAAAAAAAAAAAAAAAAAAAAAAAkAAAAJAAAAAAAAAAHAAAAAAAAAAAAAAAAAAAAAAAAAAAAAAAAAAAAf39/ACUAAABYAAAAAAAAAAAAAAAAAAAAAAAAAAAAAAAAAAAAAAAAAAAAAAAAAAAAAAAAAAAAAAA/AAAAAAAAAKCGAQAAAAAAAAAAAAAAAAAMAAAAAQAAAAAAAAAAAAAAAAAAAB8AAABUAAAAAAAABQAAAAEAAAAAAAAAAAAAAAAAAAAAAAAAAAAAAAAAAAAAAAAAAAAAAAJ/f38AAAAAA8zMzADAwP8Af39/AAAAAAAAAAAAAAAAAAAAAAAAAAAAIQAAABgAAAAUAAAAwAMAALABAABARwAAuAgAABAAAAAmAAAACAAAAAAAAAAAAAAA"/>
               </a:ext>
             </a:extLst>
           </p:cNvSpPr>
@@ -1988,7 +1992,6 @@
           <a:bodyPr/>
           <a:lstStyle/>
           <a:p>
-            <a:pPr/>
             <a:r>
               <a:t>Click to edit Master title style</a:t>
             </a:r>
@@ -2002,7 +2005,7 @@
             <a:spLocks noGrp="1" noChangeArrowheads="1"/>
             <a:extLst>
               <a:ext uri="smNativeData">
-                <pr:smNativeData xmlns:pr="smNativeData" xmlns="smNativeData" val="SMDATA_15_PhJKaRMAAAAlAAAAZAAAAA0AAAAAkAAAAEgAAACQAAAASAAAAAAAAAABAAAAAAAAAAEAAABQAAAAAAAAAAAA4D8AAAAAAADgPwAAAAAAAOA/AAAAAAAA4D8AAAAAAADgPwAAAAAAAOA/AAAAAAAA4D8AAAAAAADgPwAAAAAAAOA/AAAAAAAA4D8CAAAAjAAAAAAAAAAAAAAAu+DjDP///wgAAAAAAAAAAAAAAAAAAAAAAAAAAAAAAAAAAAAAZAAAAAEAAABAAAAAAAAAAAAAAAAAAAAAAAAAAAAAAAAAAAAAAAAAAAAAAAAAAAAAAAAAAAAAAAAAAAAAAAAAAAAAAAAAAAAAAAAAAAAAAAAAAAAAAAAAAAAAAAAAAAAAFAAAADwAAAAAAAAAAAAAAAAAAAkUAAAAAQAAABQAAAAUAAAAFAAAAAEAAAAAAAAAZAAAAGQAAAAAAAAAZAAAAGQAAAAVAAAAYAAAAAAAAAAAAAAADwAAACADAAAAAAAAAAAAAAEAAACgMgAAVgcAAKr4//8BAAAAf39/AAEAAABkAAAAAAAAABQAAABAHwAAAAAAACYAAAAAAAAAwOD//wAAAAAmAAAAZAAAABYAAABMAAAAAAAAAAAAAAAEAAAAAAAAAAEAAACAgIAKAAAAACgAAAAoAAAAZAAAAGQAAAAAAAAAzMzMAAAAAABQAAAAUAAAAGQAAABkAAAAAAAAABcAAAAUAAAAAAAAAAAAAAD/fwAA/38AAAAAAAAJAAAABAAAAJLC8BQeAAAAaAAAAAAAAAAAAAAAAAAAAAAAAAAAAAAAECcAABAnAAAAAAAAAAAAAAAAAAAAAAAAAAAAAAAAAAAAAAAAAAAAABQAAAAAAAAAwMD/AAAAAABkAAAAMgAAAAAAAABkAAAAAAAAAH9/fwAKAAAAIgAAABgAAAAAAAAAAAAAAAAAAAAAAAAAAAAAAAAAAAAkAAAAJAAAAAAAAAAHAAAAAAAAAAAAAAAAAAAAAAAAAAAAAAAAAAAAf39/ACUAAABYAAAAAAAAAAAAAAAAAAAAAAAAAAAAAAAAAAAAAAAAAAAAAAAAAAAAAAAAAAAAAAA/AAAAAAAAAKCGAQAAAAAAAAAAAAAAAAAMAAAAAQAAAAAAAAAAAAAAAAAAAB8AAABUAAAAAAAABQAAAAEAAAAAAAAAAAAAAAAAAAAAAAAAAAAAAAAAAAAAAAAAAAAAAAJ/f38AAAAAA8zMzADAwP8Af39/AAAAAAAAAAAAAAAAAAAAAAAAAAAAIQAAABgAAAAUAAAAwAMAABsnAAA/FQAAWSkAABAAAAAmAAAACAAAAAAAAAAAAAAA"/>
+                <pr:smNativeData xmlns:mc="http://schemas.openxmlformats.org/markup-compatibility/2006" xmlns:p14="http://schemas.microsoft.com/office/powerpoint/2010/main" xmlns:p15="http://schemas.microsoft.com/office/powerpoint/2012/main" xmlns:pr="smNativeData" xmlns="smNativeData" val="SMDATA_15_PhJKaRMAAAAlAAAAZAAAAA0AAAAAkAAAAEgAAACQAAAASAAAAAAAAAABAAAAAAAAAAEAAABQAAAAAAAAAAAA4D8AAAAAAADgPwAAAAAAAOA/AAAAAAAA4D8AAAAAAADgPwAAAAAAAOA/AAAAAAAA4D8AAAAAAADgPwAAAAAAAOA/AAAAAAAA4D8CAAAAjAAAAAAAAAAAAAAAu+DjDP///wgAAAAAAAAAAAAAAAAAAAAAAAAAAAAAAAAAAAAAZAAAAAEAAABAAAAAAAAAAAAAAAAAAAAAAAAAAAAAAAAAAAAAAAAAAAAAAAAAAAAAAAAAAAAAAAAAAAAAAAAAAAAAAAAAAAAAAAAAAAAAAAAAAAAAAAAAAAAAAAAAAAAAFAAAADwAAAAAAAAAAAAAAAAAAAkUAAAAAQAAABQAAAAUAAAAFAAAAAEAAAAAAAAAZAAAAGQAAAAAAAAAZAAAAGQAAAAVAAAAYAAAAAAAAAAAAAAADwAAACADAAAAAAAAAAAAAAEAAACgMgAAVgcAAKr4//8BAAAAf39/AAEAAABkAAAAAAAAABQAAABAHwAAAAAAACYAAAAAAAAAwOD//wAAAAAmAAAAZAAAABYAAABMAAAAAAAAAAAAAAAEAAAAAAAAAAEAAACAgIAKAAAAACgAAAAoAAAAZAAAAGQAAAAAAAAAzMzMAAAAAABQAAAAUAAAAGQAAABkAAAAAAAAABcAAAAUAAAAAAAAAAAAAAD/fwAA/38AAAAAAAAJAAAABAAAAJLC8BQeAAAAaAAAAAAAAAAAAAAAAAAAAAAAAAAAAAAAECcAABAnAAAAAAAAAAAAAAAAAAAAAAAAAAAAAAAAAAAAAAAAAAAAABQAAAAAAAAAwMD/AAAAAABkAAAAMgAAAAAAAABkAAAAAAAAAH9/fwAKAAAAIgAAABgAAAAAAAAAAAAAAAAAAAAAAAAAAAAAAAAAAAAkAAAAJAAAAAAAAAAHAAAAAAAAAAAAAAAAAAAAAAAAAAAAAAAAAAAAf39/ACUAAABYAAAAAAAAAAAAAAAAAAAAAAAAAAAAAAAAAAAAAAAAAAAAAAAAAAAAAAAAAAAAAAA/AAAAAAAAAKCGAQAAAAAAAAAAAAAAAAAMAAAAAQAAAAAAAAAAAAAAAAAAAB8AAABUAAAAAAAABQAAAAEAAAAAAAAAAAAAAAAAAAAAAAAAAAAAAAAAAAAAAAAAAAAAAAJ/f38AAAAAA8zMzADAwP8Af39/AAAAAAAAAAAAAAAAAAAAAAAAAAAAIQAAABgAAAAUAAAAwAMAABsnAAA/FQAAWSkAABAAAAAmAAAACAAAAAAAAAAAAAAA"/>
               </a:ext>
             </a:extLst>
           </p:cNvSpPr>
@@ -2015,10 +2018,10 @@
           <a:bodyPr/>
           <a:lstStyle/>
           <a:p>
-            <a:pPr/>
             <a:fld id="{0CA7D96E-20E1-F22F-AF1F-D67A97515983}" type="datetime1">
-              <a:t>12/16/2025</a:t>
+              <a:t>12/29/2025</a:t>
             </a:fld>
+            <a:endParaRPr/>
           </a:p>
         </p:txBody>
       </p:sp>
@@ -2029,7 +2032,7 @@
             <a:spLocks noGrp="1" noChangeArrowheads="1"/>
             <a:extLst>
               <a:ext uri="smNativeData">
-                <pr:smNativeData xmlns:pr="smNativeData" xmlns="smNativeData" val="SMDATA_15_PhJKaRMAAAAlAAAAZAAAAA0AAAAAkAAAAEgAAACQAAAASAAAAAAAAAABAAAAAAAAAAEAAABQAAAAAAAAAAAA4D8AAAAAAADgPwAAAAAAAOA/AAAAAAAA4D8AAAAAAADgPwAAAAAAAOA/AAAAAAAA4D8AAAAAAADgPwAAAAAAAOA/AAAAAAAA4D8CAAAAjAAAAAAAAAAAAAAAu+DjDP///wgAAAAAAAAAAAAAAAAAAAAAAAAAAAAAAAAAAAAAZAAAAAEAAABAAAAAAAAAAAAAAAAAAAAAAAAAAAAAAAAAAAAAAAAAAAAAAAAAAAAAAAAAAAAAAAAAAAAAAAAAAAAAAAAAAAAAAAAAAAAAAAAAAAAAAAAAAAAAAAAAAAAAFAAAADwAAAAAAAAAAAAAAAAAAAkUAAAAAQAAABQAAAAUAAAAFAAAAAEAAAAAAAAAZAAAAGQAAAAAAAAAZAAAAGQAAAAVAAAAYAAAAAAAAAAAAAAADwAAACADAAAAAAAAAAAAAAEAAACgMgAAVgcAAKr4//8BAAAAf39/AAEAAABkAAAAAAAAABQAAABAHwAAAAAAACYAAAAAAAAAwOD//wAAAAAmAAAAZAAAABYAAABMAAAAAAAAAAAAAAAEAAAAAAAAAAEAAACAgIAKAAAAACgAAAAoAAAAZAAAAGQAAAAAAAAAzMzMAAAAAABQAAAAUAAAAGQAAABkAAAAAAAAABcAAAAUAAAAAAAAAAAAAAD/fwAA/38AAAAAAAAJAAAABAAAAJ/J8f8eAAAAaAAAAAAAAAAAAAAAAAAAAAAAAAAAAAAAECcAABAnAAAAAAAAAAAAAAAAAAAAAAAAAAAAAAAAAAAAAAAAAAAAABQAAAAAAAAAwMD/AAAAAABkAAAAMgAAAAAAAABkAAAAAAAAAH9/fwAKAAAAIgAAABgAAAAAAAAAAAAAAAAAAAAAAAAAAAAAAAAAAAAkAAAAJAAAAAAAAAAHAAAAAAAAAAAAAAAAAAAAAAAAAAAAAAAAAAAAf39/ACUAAABYAAAAAAAAAAAAAAAAAAAAAAAAAAAAAAAAAAAAAAAAAAAAAAAAAAAAAAAAAAAAAAA/AAAAAAAAAKCGAQAAAAAAAAAAAAAAAAAMAAAAAQAAAAAAAAAAAAAAAAAAAB8AAABUAAAAAAAABQAAAAEAAAAAAAAAAAAAAAAAAAAAAAAAAAAAAAAAAAAAAAAAAAAAAAJ/f38AAAAAA8zMzADAwP8Af39/AAAAAAAAAAAAAAAAAAAAAAAAAAAAIQAAABgAAAAUAAAAoRkAABsnAABfMQAAWSkAABAAAAAmAAAACAAAAAAAAAAAAAAA"/>
+                <pr:smNativeData xmlns:mc="http://schemas.openxmlformats.org/markup-compatibility/2006" xmlns:p14="http://schemas.microsoft.com/office/powerpoint/2010/main" xmlns:p15="http://schemas.microsoft.com/office/powerpoint/2012/main" xmlns:pr="smNativeData" xmlns="smNativeData" val="SMDATA_15_PhJKaRMAAAAlAAAAZAAAAA0AAAAAkAAAAEgAAACQAAAASAAAAAAAAAABAAAAAAAAAAEAAABQAAAAAAAAAAAA4D8AAAAAAADgPwAAAAAAAOA/AAAAAAAA4D8AAAAAAADgPwAAAAAAAOA/AAAAAAAA4D8AAAAAAADgPwAAAAAAAOA/AAAAAAAA4D8CAAAAjAAAAAAAAAAAAAAAu+DjDP///wgAAAAAAAAAAAAAAAAAAAAAAAAAAAAAAAAAAAAAZAAAAAEAAABAAAAAAAAAAAAAAAAAAAAAAAAAAAAAAAAAAAAAAAAAAAAAAAAAAAAAAAAAAAAAAAAAAAAAAAAAAAAAAAAAAAAAAAAAAAAAAAAAAAAAAAAAAAAAAAAAAAAAFAAAADwAAAAAAAAAAAAAAAAAAAkUAAAAAQAAABQAAAAUAAAAFAAAAAEAAAAAAAAAZAAAAGQAAAAAAAAAZAAAAGQAAAAVAAAAYAAAAAAAAAAAAAAADwAAACADAAAAAAAAAAAAAAEAAACgMgAAVgcAAKr4//8BAAAAf39/AAEAAABkAAAAAAAAABQAAABAHwAAAAAAACYAAAAAAAAAwOD//wAAAAAmAAAAZAAAABYAAABMAAAAAAAAAAAAAAAEAAAAAAAAAAEAAACAgIAKAAAAACgAAAAoAAAAZAAAAGQAAAAAAAAAzMzMAAAAAABQAAAAUAAAAGQAAABkAAAAAAAAABcAAAAUAAAAAAAAAAAAAAD/fwAA/38AAAAAAAAJAAAABAAAAJ/J8f8eAAAAaAAAAAAAAAAAAAAAAAAAAAAAAAAAAAAAECcAABAnAAAAAAAAAAAAAAAAAAAAAAAAAAAAAAAAAAAAAAAAAAAAABQAAAAAAAAAwMD/AAAAAABkAAAAMgAAAAAAAABkAAAAAAAAAH9/fwAKAAAAIgAAABgAAAAAAAAAAAAAAAAAAAAAAAAAAAAAAAAAAAAkAAAAJAAAAAAAAAAHAAAAAAAAAAAAAAAAAAAAAAAAAAAAAAAAAAAAf39/ACUAAABYAAAAAAAAAAAAAAAAAAAAAAAAAAAAAAAAAAAAAAAAAAAAAAAAAAAAAAAAAAAAAAA/AAAAAAAAAKCGAQAAAAAAAAAAAAAAAAAMAAAAAQAAAAAAAAAAAAAAAAAAAB8AAABUAAAAAAAABQAAAAEAAAAAAAAAAAAAAAAAAAAAAAAAAAAAAAAAAAAAAAAAAAAAAAJ/f38AAAAAA8zMzADAwP8Af39/AAAAAAAAAAAAAAAAAAAAAAAAAAAAIQAAABgAAAAUAAAAoRkAABsnAABfMQAAWSkAABAAAAAmAAAACAAAAAAAAAAAAAAA"/>
               </a:ext>
             </a:extLst>
           </p:cNvSpPr>
@@ -2042,7 +2045,7 @@
           <a:bodyPr/>
           <a:lstStyle/>
           <a:p>
-            <a:pPr/>
+            <a:endParaRPr/>
           </a:p>
         </p:txBody>
       </p:sp>
@@ -2053,7 +2056,7 @@
             <a:spLocks noGrp="1" noChangeArrowheads="1"/>
             <a:extLst>
               <a:ext uri="smNativeData">
-                <pr:smNativeData xmlns:pr="smNativeData" xmlns="smNativeData" val="SMDATA_15_PhJKaRMAAAAlAAAAZAAAAA0AAAAAkAAAAEgAAACQAAAASAAAAAAAAAABAAAAAAAAAAEAAABQAAAAAAAAAAAA4D8AAAAAAADgPwAAAAAAAOA/AAAAAAAA4D8AAAAAAADgPwAAAAAAAOA/AAAAAAAA4D8AAAAAAADgPwAAAAAAAOA/AAAAAAAA4D8CAAAAjAAAAAAAAAAAAAAAu+DjDP///wgAAAAAAAAAAAAAAAAAAAAAAAAAAAAAAAAAAAAAZAAAAAEAAABAAAAAAAAAAAAAAAAAAAAAAAAAAAAAAAAAAAAAAAAAAAAAAAAAAAAAAAAAAAAAAAAAAAAAAAAAAAAAAAAAAAAAAAAAAAAAAAAAAAAAAAAAAAAAAAAAAAAAFAAAADwAAAAAAAAAAAAAAAAAAAkUAAAAAQAAABQAAAAUAAAAFAAAAAEAAAAAAAAAZAAAAGQAAAAAAAAAZAAAAGQAAAAVAAAAYAAAAAAAAAAAAAAADwAAACADAAAAAAAAAAAAAAEAAACgMgAAVgcAAKr4//8BAAAAf39/AAEAAABkAAAAAAAAABQAAABAHwAAAAAAACYAAAAAAAAAwOD//wAAAAAmAAAAZAAAABYAAABMAAAAAAAAAAAAAAAEAAAAAAAAAAEAAACAgIAKAAAAACgAAAAoAAAAZAAAAGQAAAAAAAAAzMzMAAAAAABQAAAAUAAAAGQAAABkAAAAAAAAABcAAAAUAAAAAAAAAAAAAAD/fwAA/38AAAAAAAAJAAAABAAAAAAAAAAeAAAAaAAAAAAAAAAAAAAAAAAAAAAAAAAAAAAAECcAABAnAAAAAAAAAAAAAAAAAAAAAAAAAAAAAAAAAAAAAAAAAAAAABQAAAAAAAAAwMD/AAAAAABkAAAAMgAAAAAAAABkAAAAAAAAAH9/fwAKAAAAIgAAABgAAAAAAAAAAAAAAAAAAAAAAAAAAAAAAAAAAAAkAAAAJAAAAAAAAAAHAAAAAAAAAAAAAAAAAAAAAAAAAAAAAAAAAAAAf39/ACUAAABYAAAAAAAAAAAAAAAAAAAAAAAAAAAAAAAAAAAAAAAAAAAAAAAAAAAAAAAAAAAAAAA/AAAAAAAAAKCGAQAAAAAAAAAAAAAAAAAMAAAAAQAAAAAAAAAAAAAAAAAAAB8AAABUAAAAAAAABQAAAAEAAAAAAAAAAAAAAAAAAAAAAAAAAAAAAAAAAAAAAAAAAAAAAAJ/f38AAAAAA8zMzADAwP8Af39/AAAAAAAAAAAAAAAAAAAAAAAAAAAAIQAAABgAAAAUAAAAwTUAABsnAABARwAAWSkAABAAAAAmAAAACAAAAAAAAAAAAAAA"/>
+                <pr:smNativeData xmlns:mc="http://schemas.openxmlformats.org/markup-compatibility/2006" xmlns:p14="http://schemas.microsoft.com/office/powerpoint/2010/main" xmlns:p15="http://schemas.microsoft.com/office/powerpoint/2012/main" xmlns:pr="smNativeData" xmlns="smNativeData" val="SMDATA_15_PhJKaRMAAAAlAAAAZAAAAA0AAAAAkAAAAEgAAACQAAAASAAAAAAAAAABAAAAAAAAAAEAAABQAAAAAAAAAAAA4D8AAAAAAADgPwAAAAAAAOA/AAAAAAAA4D8AAAAAAADgPwAAAAAAAOA/AAAAAAAA4D8AAAAAAADgPwAAAAAAAOA/AAAAAAAA4D8CAAAAjAAAAAAAAAAAAAAAu+DjDP///wgAAAAAAAAAAAAAAAAAAAAAAAAAAAAAAAAAAAAAZAAAAAEAAABAAAAAAAAAAAAAAAAAAAAAAAAAAAAAAAAAAAAAAAAAAAAAAAAAAAAAAAAAAAAAAAAAAAAAAAAAAAAAAAAAAAAAAAAAAAAAAAAAAAAAAAAAAAAAAAAAAAAAFAAAADwAAAAAAAAAAAAAAAAAAAkUAAAAAQAAABQAAAAUAAAAFAAAAAEAAAAAAAAAZAAAAGQAAAAAAAAAZAAAAGQAAAAVAAAAYAAAAAAAAAAAAAAADwAAACADAAAAAAAAAAAAAAEAAACgMgAAVgcAAKr4//8BAAAAf39/AAEAAABkAAAAAAAAABQAAABAHwAAAAAAACYAAAAAAAAAwOD//wAAAAAmAAAAZAAAABYAAABMAAAAAAAAAAAAAAAEAAAAAAAAAAEAAACAgIAKAAAAACgAAAAoAAAAZAAAAGQAAAAAAAAAzMzMAAAAAABQAAAAUAAAAGQAAABkAAAAAAAAABcAAAAUAAAAAAAAAAAAAAD/fwAA/38AAAAAAAAJAAAABAAAAAAAAAAeAAAAaAAAAAAAAAAAAAAAAAAAAAAAAAAAAAAAECcAABAnAAAAAAAAAAAAAAAAAAAAAAAAAAAAAAAAAAAAAAAAAAAAABQAAAAAAAAAwMD/AAAAAABkAAAAMgAAAAAAAABkAAAAAAAAAH9/fwAKAAAAIgAAABgAAAAAAAAAAAAAAAAAAAAAAAAAAAAAAAAAAAAkAAAAJAAAAAAAAAAHAAAAAAAAAAAAAAAAAAAAAAAAAAAAAAAAAAAAf39/ACUAAABYAAAAAAAAAAAAAAAAAAAAAAAAAAAAAAAAAAAAAAAAAAAAAAAAAAAAAAAAAAAAAAA/AAAAAAAAAKCGAQAAAAAAAAAAAAAAAAAMAAAAAQAAAAAAAAAAAAAAAAAAAB8AAABUAAAAAAAABQAAAAEAAAAAAAAAAAAAAAAAAAAAAAAAAAAAAAAAAAAAAAAAAAAAAAJ/f38AAAAAA8zMzADAwP8Af39/AAAAAAAAAAAAAAAAAAAAAAAAAAAAIQAAABgAAAAUAAAAwTUAABsnAABARwAAWSkAABAAAAAmAAAACAAAAAAAAAAAAAAA"/>
               </a:ext>
             </a:extLst>
           </p:cNvSpPr>
@@ -2066,10 +2069,10 @@
           <a:bodyPr/>
           <a:lstStyle/>
           <a:p>
-            <a:pPr/>
             <a:fld id="{0CA7F36F-21E1-F205-AF1F-D750BD515982}" type="slidenum">
               <a:t>‹#›</a:t>
             </a:fld>
+            <a:endParaRPr/>
           </a:p>
         </p:txBody>
       </p:sp>
@@ -2083,7 +2086,7 @@
 </file>
 
 <file path=ppt/slideLayouts/slideLayout7.xml><?xml version="1.0" encoding="utf-8"?>
-<p:sldLayout xmlns:p="http://schemas.openxmlformats.org/presentationml/2006/main" xmlns:mc="http://schemas.openxmlformats.org/markup-compatibility/2006" xmlns:p14="http://schemas.microsoft.com/office/powerpoint/2010/main" xmlns:p15="http://schemas.microsoft.com/office/powerpoint/2012/main" xmlns:r="http://schemas.openxmlformats.org/officeDocument/2006/relationships" xmlns:a="http://schemas.openxmlformats.org/drawingml/2006/main" type="blank">
+<p:sldLayout xmlns:a="http://schemas.openxmlformats.org/drawingml/2006/main" xmlns:r="http://schemas.openxmlformats.org/officeDocument/2006/relationships" xmlns:p="http://schemas.openxmlformats.org/presentationml/2006/main" type="blank">
   <p:cSld name="Blank">
     <p:spTree>
       <p:nvGrpSpPr>
@@ -2106,7 +2109,7 @@
             <a:spLocks noGrp="1" noChangeArrowheads="1"/>
             <a:extLst>
               <a:ext uri="smNativeData">
-                <pr:smNativeData xmlns:pr="smNativeData" xmlns="smNativeData" val="SMDATA_15_PhJKaRMAAAAlAAAAZAAAAA0AAAAAkAAAAEgAAACQAAAASAAAAAAAAAABAAAAAAAAAAEAAABQAAAAAAAAAAAA4D8AAAAAAADgPwAAAAAAAOA/AAAAAAAA4D8AAAAAAADgPwAAAAAAAOA/AAAAAAAA4D8AAAAAAADgPwAAAAAAAOA/AAAAAAAA4D8CAAAAjAAAAAAAAAAAAAAAu+DjDP///wgAAAAAAAAAAAAAAAAAAAAAAAAAAAAAAAAAAAAAZAAAAAEAAABAAAAAAAAAAAAAAAAAAAAAAAAAAAAAAAAAAAAAAAAAAAAAAAAAAAAAAAAAAAAAAAAAAAAAAAAAAAAAAAAAAAAAAAAAAAAAAAAAAAAAAAAAAAAAAAAAAAAAFAAAADwAAAAAAAAAAAAAAAAAAAkUAAAAAQAAABQAAAAUAAAAFAAAAAEAAAAAAAAAZAAAAGQAAAAAAAAAZAAAAGQAAAAVAAAAYAAAAAAAAAAAAAAADwAAACADAAAAAAAAAAAAAAEAAACgMgAAVgcAAKr4//8BAAAAf39/AAEAAABkAAAAAAAAABQAAABAHwAAAAAAACYAAAAAAAAAwOD//wAAAAAmAAAAZAAAABYAAABMAAAAAAAAAAAAAAAEAAAAAAAAAAEAAACAgIAKAAAAACgAAAAoAAAAZAAAAGQAAAAAAAAAzMzMAAAAAABQAAAAUAAAAGQAAABkAAAAAAAAABcAAAAUAAAAAAAAAAAAAAD/fwAA/38AAAAAAAAJAAAABAAAAPL1+v8eAAAAaAAAAAAAAAAAAAAAAAAAAAAAAAAAAAAAECcAABAnAAAAAAAAAAAAAAAAAAAAAAAAAAAAAAAAAAAAAAAAAAAAABQAAAAAAAAAwMD/AAAAAABkAAAAMgAAAAAAAABkAAAAAAAAAH9/fwAKAAAAIgAAABgAAAAAAAAAAAAAAAAAAAAAAAAAAAAAAAAAAAAkAAAAJAAAAAAAAAAHAAAAAAAAAAAAAAAAAAAAAAAAAAAAAAAAAAAAf39/ACUAAABYAAAAAAAAAAAAAAAAAAAAAAAAAAAAAAAAAAAAAAAAAAAAAAAAAAAAAAAAAAAAAAA/AAAAAAAAAKCGAQAAAAAAAAAAAAAAAAAMAAAAAQAAAAAAAAAAAAAAAAAAAB8AAABUAAAAAAAABQAAAAEAAAAAAAAAAAAAAAAAAAAAAAAAAAAAAAAAAAAAAAAAAAAAAAJ/f38AAAAAA8zMzADAwP8Af39/AAAAAAAAAAAAAAAAAAAAAAAAAAAAIQAAABgAAAAUAAAAwAMAABsnAAA/FQAAWSkAABAAAAAmAAAACAAAAAAAAAAAAAAA"/>
+                <pr:smNativeData xmlns:mc="http://schemas.openxmlformats.org/markup-compatibility/2006" xmlns:p14="http://schemas.microsoft.com/office/powerpoint/2010/main" xmlns:p15="http://schemas.microsoft.com/office/powerpoint/2012/main" xmlns:pr="smNativeData" xmlns="smNativeData" val="SMDATA_15_PhJKaRMAAAAlAAAAZAAAAA0AAAAAkAAAAEgAAACQAAAASAAAAAAAAAABAAAAAAAAAAEAAABQAAAAAAAAAAAA4D8AAAAAAADgPwAAAAAAAOA/AAAAAAAA4D8AAAAAAADgPwAAAAAAAOA/AAAAAAAA4D8AAAAAAADgPwAAAAAAAOA/AAAAAAAA4D8CAAAAjAAAAAAAAAAAAAAAu+DjDP///wgAAAAAAAAAAAAAAAAAAAAAAAAAAAAAAAAAAAAAZAAAAAEAAABAAAAAAAAAAAAAAAAAAAAAAAAAAAAAAAAAAAAAAAAAAAAAAAAAAAAAAAAAAAAAAAAAAAAAAAAAAAAAAAAAAAAAAAAAAAAAAAAAAAAAAAAAAAAAAAAAAAAAFAAAADwAAAAAAAAAAAAAAAAAAAkUAAAAAQAAABQAAAAUAAAAFAAAAAEAAAAAAAAAZAAAAGQAAAAAAAAAZAAAAGQAAAAVAAAAYAAAAAAAAAAAAAAADwAAACADAAAAAAAAAAAAAAEAAACgMgAAVgcAAKr4//8BAAAAf39/AAEAAABkAAAAAAAAABQAAABAHwAAAAAAACYAAAAAAAAAwOD//wAAAAAmAAAAZAAAABYAAABMAAAAAAAAAAAAAAAEAAAAAAAAAAEAAACAgIAKAAAAACgAAAAoAAAAZAAAAGQAAAAAAAAAzMzMAAAAAABQAAAAUAAAAGQAAABkAAAAAAAAABcAAAAUAAAAAAAAAAAAAAD/fwAA/38AAAAAAAAJAAAABAAAAPL1+v8eAAAAaAAAAAAAAAAAAAAAAAAAAAAAAAAAAAAAECcAABAnAAAAAAAAAAAAAAAAAAAAAAAAAAAAAAAAAAAAAAAAAAAAABQAAAAAAAAAwMD/AAAAAABkAAAAMgAAAAAAAABkAAAAAAAAAH9/fwAKAAAAIgAAABgAAAAAAAAAAAAAAAAAAAAAAAAAAAAAAAAAAAAkAAAAJAAAAAAAAAAHAAAAAAAAAAAAAAAAAAAAAAAAAAAAAAAAAAAAf39/ACUAAABYAAAAAAAAAAAAAAAAAAAAAAAAAAAAAAAAAAAAAAAAAAAAAAAAAAAAAAAAAAAAAAA/AAAAAAAAAKCGAQAAAAAAAAAAAAAAAAAMAAAAAQAAAAAAAAAAAAAAAAAAAB8AAABUAAAAAAAABQAAAAEAAAAAAAAAAAAAAAAAAAAAAAAAAAAAAAAAAAAAAAAAAAAAAAJ/f38AAAAAA8zMzADAwP8Af39/AAAAAAAAAAAAAAAAAAAAAAAAAAAAIQAAABgAAAAUAAAAwAMAABsnAAA/FQAAWSkAABAAAAAmAAAACAAAAAAAAAAAAAAA"/>
               </a:ext>
             </a:extLst>
           </p:cNvSpPr>
@@ -2119,10 +2122,10 @@
           <a:bodyPr/>
           <a:lstStyle/>
           <a:p>
-            <a:pPr/>
             <a:fld id="{0CA7B71A-54E1-F241-AF1F-A214F95159F7}" type="datetime1">
-              <a:t>12/16/2025</a:t>
+              <a:t>12/29/2025</a:t>
             </a:fld>
+            <a:endParaRPr/>
           </a:p>
         </p:txBody>
       </p:sp>
@@ -2133,7 +2136,7 @@
             <a:spLocks noGrp="1" noChangeArrowheads="1"/>
             <a:extLst>
               <a:ext uri="smNativeData">
-                <pr:smNativeData xmlns:pr="smNativeData" xmlns="smNativeData" val="SMDATA_15_PhJKaRMAAAAlAAAAZAAAAA0AAAAAkAAAAEgAAACQAAAASAAAAAAAAAABAAAAAAAAAAEAAABQAAAAAAAAAAAA4D8AAAAAAADgPwAAAAAAAOA/AAAAAAAA4D8AAAAAAADgPwAAAAAAAOA/AAAAAAAA4D8AAAAAAADgPwAAAAAAAOA/AAAAAAAA4D8CAAAAjAAAAAAAAAAAAAAAu+DjDP///wgAAAAAAAAAAAAAAAAAAAAAAAAAAAAAAAAAAAAAZAAAAAEAAABAAAAAAAAAAAAAAAAAAAAAAAAAAAAAAAAAAAAAAAAAAAAAAAAAAAAAAAAAAAAAAAAAAAAAAAAAAAAAAAAAAAAAAAAAAAAAAAAAAAAAAAAAAAAAAAAAAAAAFAAAADwAAAAAAAAAAAAAAAAAAAkUAAAAAQAAABQAAAAUAAAAFAAAAAEAAAAAAAAAZAAAAGQAAAAAAAAAZAAAAGQAAAAVAAAAYAAAAAAAAAAAAAAADwAAACADAAAAAAAAAAAAAAEAAACgMgAAVgcAAKr4//8BAAAAf39/AAEAAABkAAAAAAAAABQAAABAHwAAAAAAACYAAAAAAAAAwOD//wAAAAAmAAAAZAAAABYAAABMAAAAAAAAAAAAAAAEAAAAAAAAAAEAAACAgIAKAAAAACgAAAAoAAAAZAAAAGQAAAAAAAAAzMzMAAAAAABQAAAAUAAAAGQAAABkAAAAAAAAABcAAAAUAAAAAAAAAAAAAAD/fwAA/38AAAAAAAAJAAAABAAAAAAAAAAeAAAAaAAAAAAAAAAAAAAAAAAAAAAAAAAAAAAAECcAABAnAAAAAAAAAAAAAAAAAAAAAAAAAAAAAAAAAAAAAAAAAAAAABQAAAAAAAAAwMD/AAAAAABkAAAAMgAAAAAAAABkAAAAAAAAAH9/fwAKAAAAIgAAABgAAAAAAAAAAAAAAAAAAAAAAAAAAAAAAAAAAAAkAAAAJAAAAAAAAAAHAAAAAAAAAAAAAAAAAAAAAAAAAAAAAAAAAAAAf39/ACUAAABYAAAAAAAAAAAAAAAAAAAAAAAAAAAAAAAAAAAAAAAAAAAAAAAAAAAAAAAAAAAAAAA/AAAAAAAAAKCGAQAAAAAAAAAAAAAAAAAMAAAAAQAAAAAAAAAAAAAAAAAAAB8AAABUAAAAAAAABQAAAAEAAAAAAAAAAAAAAAAAAAAAAAAAAAAAAAAAAAAAAAAAAAAAAAJ/f38AAAAAA8zMzADAwP8Af39/AAAAAAAAAAAAAAAAAAAAAAAAAAAAIQAAABgAAAAUAAAAoRkAABsnAABfMQAAWSkAABAAAAAmAAAACAAAAAAAAAAAAAAA"/>
+                <pr:smNativeData xmlns:mc="http://schemas.openxmlformats.org/markup-compatibility/2006" xmlns:p14="http://schemas.microsoft.com/office/powerpoint/2010/main" xmlns:p15="http://schemas.microsoft.com/office/powerpoint/2012/main" xmlns:pr="smNativeData" xmlns="smNativeData" val="SMDATA_15_PhJKaRMAAAAlAAAAZAAAAA0AAAAAkAAAAEgAAACQAAAASAAAAAAAAAABAAAAAAAAAAEAAABQAAAAAAAAAAAA4D8AAAAAAADgPwAAAAAAAOA/AAAAAAAA4D8AAAAAAADgPwAAAAAAAOA/AAAAAAAA4D8AAAAAAADgPwAAAAAAAOA/AAAAAAAA4D8CAAAAjAAAAAAAAAAAAAAAu+DjDP///wgAAAAAAAAAAAAAAAAAAAAAAAAAAAAAAAAAAAAAZAAAAAEAAABAAAAAAAAAAAAAAAAAAAAAAAAAAAAAAAAAAAAAAAAAAAAAAAAAAAAAAAAAAAAAAAAAAAAAAAAAAAAAAAAAAAAAAAAAAAAAAAAAAAAAAAAAAAAAAAAAAAAAFAAAADwAAAAAAAAAAAAAAAAAAAkUAAAAAQAAABQAAAAUAAAAFAAAAAEAAAAAAAAAZAAAAGQAAAAAAAAAZAAAAGQAAAAVAAAAYAAAAAAAAAAAAAAADwAAACADAAAAAAAAAAAAAAEAAACgMgAAVgcAAKr4//8BAAAAf39/AAEAAABkAAAAAAAAABQAAABAHwAAAAAAACYAAAAAAAAAwOD//wAAAAAmAAAAZAAAABYAAABMAAAAAAAAAAAAAAAEAAAAAAAAAAEAAACAgIAKAAAAACgAAAAoAAAAZAAAAGQAAAAAAAAAzMzMAAAAAABQAAAAUAAAAGQAAABkAAAAAAAAABcAAAAUAAAAAAAAAAAAAAD/fwAA/38AAAAAAAAJAAAABAAAAAAAAAAeAAAAaAAAAAAAAAAAAAAAAAAAAAAAAAAAAAAAECcAABAnAAAAAAAAAAAAAAAAAAAAAAAAAAAAAAAAAAAAAAAAAAAAABQAAAAAAAAAwMD/AAAAAABkAAAAMgAAAAAAAABkAAAAAAAAAH9/fwAKAAAAIgAAABgAAAAAAAAAAAAAAAAAAAAAAAAAAAAAAAAAAAAkAAAAJAAAAAAAAAAHAAAAAAAAAAAAAAAAAAAAAAAAAAAAAAAAAAAAf39/ACUAAABYAAAAAAAAAAAAAAAAAAAAAAAAAAAAAAAAAAAAAAAAAAAAAAAAAAAAAAAAAAAAAAA/AAAAAAAAAKCGAQAAAAAAAAAAAAAAAAAMAAAAAQAAAAAAAAAAAAAAAAAAAB8AAABUAAAAAAAABQAAAAEAAAAAAAAAAAAAAAAAAAAAAAAAAAAAAAAAAAAAAAAAAAAAAAJ/f38AAAAAA8zMzADAwP8Af39/AAAAAAAAAAAAAAAAAAAAAAAAAAAAIQAAABgAAAAUAAAAoRkAABsnAABfMQAAWSkAABAAAAAmAAAACAAAAAAAAAAAAAAA"/>
               </a:ext>
             </a:extLst>
           </p:cNvSpPr>
@@ -2146,7 +2149,7 @@
           <a:bodyPr/>
           <a:lstStyle/>
           <a:p>
-            <a:pPr/>
+            <a:endParaRPr/>
           </a:p>
         </p:txBody>
       </p:sp>
@@ -2157,7 +2160,7 @@
             <a:spLocks noGrp="1" noChangeArrowheads="1"/>
             <a:extLst>
               <a:ext uri="smNativeData">
-                <pr:smNativeData xmlns:pr="smNativeData" xmlns="smNativeData" val="SMDATA_15_PhJKaRMAAAAlAAAAZAAAAA0AAAAAkAAAAEgAAACQAAAASAAAAAAAAAABAAAAAAAAAAEAAABQAAAAAAAAAAAA4D8AAAAAAADgPwAAAAAAAOA/AAAAAAAA4D8AAAAAAADgPwAAAAAAAOA/AAAAAAAA4D8AAAAAAADgPwAAAAAAAOA/AAAAAAAA4D8CAAAAjAAAAAAAAAAAAAAAu+DjDP///wgAAAAAAAAAAAAAAAAAAAAAAAAAAAAAAAAAAAAAZAAAAAEAAABAAAAAAAAAAAAAAAAAAAAAAAAAAAAAAAAAAAAAAAAAAAAAAAAAAAAAAAAAAAAAAAAAAAAAAAAAAAAAAAAAAAAAAAAAAAAAAAAAAAAAAAAAAAAAAAAAAAAAFAAAADwAAAAAAAAAAAAAAAAAAAkUAAAAAQAAABQAAAAUAAAAFAAAAAEAAAAAAAAAZAAAAGQAAAAAAAAAZAAAAGQAAAAVAAAAYAAAAAAAAAAAAAAADwAAACADAAAAAAAAAAAAAAEAAACgMgAAVgcAAKr4//8BAAAAf39/AAEAAABkAAAAAAAAABQAAABAHwAAAAAAACYAAAAAAAAAwOD//wAAAAAmAAAAZAAAABYAAABMAAAAAAAAAAAAAAAEAAAAAAAAAAEAAACAgIAKAAAAACgAAAAoAAAAZAAAAGQAAAAAAAAAzMzMAAAAAABQAAAAUAAAAGQAAABkAAAAAAAAABcAAAAUAAAAAAAAAAAAAAD/fwAA/38AAAAAAAAJAAAABAAAAAAAAAAeAAAAaAAAAAAAAAAAAAAAAAAAAAAAAAAAAAAAECcAABAnAAAAAAAAAAAAAAAAAAAAAAAAAAAAAAAAAAAAAAAAAAAAABQAAAAAAAAAwMD/AAAAAABkAAAAMgAAAAAAAABkAAAAAAAAAH9/fwAKAAAAIgAAABgAAAAAAAAAAAAAAAAAAAAAAAAAAAAAAAAAAAAkAAAAJAAAAAAAAAAHAAAAAAAAAAAAAAAAAAAAAAAAAAAAAAAAAAAAf39/ACUAAABYAAAAAAAAAAAAAAAAAAAAAAAAAAAAAAAAAAAAAAAAAAAAAAAAAAAAAAAAAAAAAAA/AAAAAAAAAKCGAQAAAAAAAAAAAAAAAAAMAAAAAQAAAAAAAAAAAAAAAAAAAB8AAABUAAAAAAAABQAAAAEAAAAAAAAAAAAAAAAAAAAAAAAAAAAAAAAAAAAAAAAAAAAAAAJ/f38AAAAAA8zMzADAwP8Af39/AAAAAAAAAAAAAAAAAAAAAAAAAAAAIQAAABgAAAAUAAAAwTUAABsnAABARwAAWSkAABAAAAAmAAAACAAAAAAAAAAAAAAA"/>
+                <pr:smNativeData xmlns:mc="http://schemas.openxmlformats.org/markup-compatibility/2006" xmlns:p14="http://schemas.microsoft.com/office/powerpoint/2010/main" xmlns:p15="http://schemas.microsoft.com/office/powerpoint/2012/main" xmlns:pr="smNativeData" xmlns="smNativeData" val="SMDATA_15_PhJKaRMAAAAlAAAAZAAAAA0AAAAAkAAAAEgAAACQAAAASAAAAAAAAAABAAAAAAAAAAEAAABQAAAAAAAAAAAA4D8AAAAAAADgPwAAAAAAAOA/AAAAAAAA4D8AAAAAAADgPwAAAAAAAOA/AAAAAAAA4D8AAAAAAADgPwAAAAAAAOA/AAAAAAAA4D8CAAAAjAAAAAAAAAAAAAAAu+DjDP///wgAAAAAAAAAAAAAAAAAAAAAAAAAAAAAAAAAAAAAZAAAAAEAAABAAAAAAAAAAAAAAAAAAAAAAAAAAAAAAAAAAAAAAAAAAAAAAAAAAAAAAAAAAAAAAAAAAAAAAAAAAAAAAAAAAAAAAAAAAAAAAAAAAAAAAAAAAAAAAAAAAAAAFAAAADwAAAAAAAAAAAAAAAAAAAkUAAAAAQAAABQAAAAUAAAAFAAAAAEAAAAAAAAAZAAAAGQAAAAAAAAAZAAAAGQAAAAVAAAAYAAAAAAAAAAAAAAADwAAACADAAAAAAAAAAAAAAEAAACgMgAAVgcAAKr4//8BAAAAf39/AAEAAABkAAAAAAAAABQAAABAHwAAAAAAACYAAAAAAAAAwOD//wAAAAAmAAAAZAAAABYAAABMAAAAAAAAAAAAAAAEAAAAAAAAAAEAAACAgIAKAAAAACgAAAAoAAAAZAAAAGQAAAAAAAAAzMzMAAAAAABQAAAAUAAAAGQAAABkAAAAAAAAABcAAAAUAAAAAAAAAAAAAAD/fwAA/38AAAAAAAAJAAAABAAAAAAAAAAeAAAAaAAAAAAAAAAAAAAAAAAAAAAAAAAAAAAAECcAABAnAAAAAAAAAAAAAAAAAAAAAAAAAAAAAAAAAAAAAAAAAAAAABQAAAAAAAAAwMD/AAAAAABkAAAAMgAAAAAAAABkAAAAAAAAAH9/fwAKAAAAIgAAABgAAAAAAAAAAAAAAAAAAAAAAAAAAAAAAAAAAAAkAAAAJAAAAAAAAAAHAAAAAAAAAAAAAAAAAAAAAAAAAAAAAAAAAAAAf39/ACUAAABYAAAAAAAAAAAAAAAAAAAAAAAAAAAAAAAAAAAAAAAAAAAAAAAAAAAAAAAAAAAAAAA/AAAAAAAAAKCGAQAAAAAAAAAAAAAAAAAMAAAAAQAAAAAAAAAAAAAAAAAAAB8AAABUAAAAAAAABQAAAAEAAAAAAAAAAAAAAAAAAAAAAAAAAAAAAAAAAAAAAAAAAAAAAAJ/f38AAAAAA8zMzADAwP8Af39/AAAAAAAAAAAAAAAAAAAAAAAAAAAAIQAAABgAAAAUAAAAwTUAABsnAABARwAAWSkAABAAAAAmAAAACAAAAAAAAAAAAAAA"/>
               </a:ext>
             </a:extLst>
           </p:cNvSpPr>
@@ -2170,10 +2173,10 @@
           <a:bodyPr/>
           <a:lstStyle/>
           <a:p>
-            <a:pPr/>
             <a:fld id="{0CA7C460-2EE1-F232-AF1F-D8678A51598D}" type="slidenum">
               <a:t>‹#›</a:t>
             </a:fld>
+            <a:endParaRPr/>
           </a:p>
         </p:txBody>
       </p:sp>
@@ -2187,7 +2190,7 @@
 </file>
 
 <file path=ppt/slideLayouts/slideLayout8.xml><?xml version="1.0" encoding="utf-8"?>
-<p:sldLayout xmlns:p="http://schemas.openxmlformats.org/presentationml/2006/main" xmlns:mc="http://schemas.openxmlformats.org/markup-compatibility/2006" xmlns:p14="http://schemas.microsoft.com/office/powerpoint/2010/main" xmlns:p15="http://schemas.microsoft.com/office/powerpoint/2012/main" xmlns:r="http://schemas.openxmlformats.org/officeDocument/2006/relationships" xmlns:a="http://schemas.openxmlformats.org/drawingml/2006/main" type="objTx">
+<p:sldLayout xmlns:a="http://schemas.openxmlformats.org/drawingml/2006/main" xmlns:r="http://schemas.openxmlformats.org/officeDocument/2006/relationships" xmlns:p="http://schemas.openxmlformats.org/presentationml/2006/main" type="objTx">
   <p:cSld name="Content with caption">
     <p:spTree>
       <p:nvGrpSpPr>
@@ -2210,7 +2213,7 @@
             <a:spLocks noGrp="1" noChangeArrowheads="1"/>
             <a:extLst>
               <a:ext uri="smNativeData">
-                <pr:smNativeData xmlns:pr="smNativeData" xmlns="smNativeData" val="SMDATA_15_PhJKaRMAAAAlAAAAZAAAAA0AAAAAkAAAAEgAAACQAAAASAAAAAAAAAACAAAAAAAAAAEAAABQAAAAAAAAAAAA4D8AAAAAAADgPwAAAAAAAOA/AAAAAAAA4D8AAAAAAADgPwAAAAAAAOA/AAAAAAAA4D8AAAAAAADgPwAAAAAAAOA/AAAAAAAA4D8CAAAAjAAAAAAAAAAAAAAAu+DjDP///wgAAAAAAAAAAAAAAAAAAAAAAAAAAAAAAAAAAAAAZAAAAAEAAABAAAAAAAAAAAAAAAAAAAAAAAAAAAAAAAAAAAAAAAAAAAAAAAAAAAAAAAAAAAAAAAAAAAAAAAAAAAAAAAAAAAAAAAAAAAAAAAAAAAAAAAAAAAAAAAAAAAAAFAAAADwAAAAAAAAAAAAAAAAAAAkUAAAAAQAAABQAAAAUAAAAFAAAAAEAAAAAAAAAZAAAAGQAAAAAAAAAZAAAAGQAAAAVAAAAYAAAAAAAAAAAAAAADwAAACADAAAAAAAAAAAAAAEAAACgMgAAVgcAAKr4//8BAAAAf39/AAEAAABkAAAAAAAAABQAAABAHwAAAAAAACYAAAAAAAAAwOD//wAAAAAmAAAAZAAAABYAAABMAAAAAAAAAAAAAAAEAAAAAAAAAAEAAACAgIAKAAAAACgAAAAoAAAAZAAAAGQAAAAAAAAAzMzMAAAAAABQAAAAUAAAAGQAAABkAAAAAAAAABcAAAAUAAAAAAAAAAAAAAD/fwAA/38AAAAAAAAJAAAABAAAAGkAZAAeAAAAaAAAAAAAAAAAAAAAAAAAAAAAAAAAAAAAECcAABAnAAAAAAAAAAAAAAAAAAAAAAAAAAAAAAAAAAAAAAAAAAAAABQAAAAAAAAAwMD/AAAAAABkAAAAMgAAAAAAAABkAAAAAAAAAH9/fwAKAAAAIgAAABgAAAAAAAAAAAAAAAAAAAAAAAAAAAAAAAAAAAAkAAAAJAAAAAAAAAAHAAAAAAAAAAAAAAAAAAAAAAAAAAAAAAAAAAAAf39/ACUAAABYAAAAAAAAAAAAAAAAAAAAAAAAAAAAAAAAAAAAAAAAAAAAAAAAAAAAAAAAAAAAAAA/AAAAAAAAAKCGAQAAAAAAAAAAAAAAAAAMAAAAAQAAAAAAAAAAAAAAAAAAAB8AAABUAAAAAAAABQAAAAEAAAAAAAAAAAAAAAAAAAAAAAAAAAAAAAAAAAAAAAAAAAAAAAJ/f38AAAAAA8zMzADAwP8Af39/AAAAAAAAAAAAAAAAAAAAAAAAAAAAIQAAABgAAAAUAAAAwAMAAK4BAABtHAAA1AgAABAAAAAmAAAACAAAAIGQAAAAAAAA"/>
+                <pr:smNativeData xmlns:mc="http://schemas.openxmlformats.org/markup-compatibility/2006" xmlns:p14="http://schemas.microsoft.com/office/powerpoint/2010/main" xmlns:p15="http://schemas.microsoft.com/office/powerpoint/2012/main" xmlns:pr="smNativeData" xmlns="smNativeData" val="SMDATA_15_PhJKaRMAAAAlAAAAZAAAAA0AAAAAkAAAAEgAAACQAAAASAAAAAAAAAACAAAAAAAAAAEAAABQAAAAAAAAAAAA4D8AAAAAAADgPwAAAAAAAOA/AAAAAAAA4D8AAAAAAADgPwAAAAAAAOA/AAAAAAAA4D8AAAAAAADgPwAAAAAAAOA/AAAAAAAA4D8CAAAAjAAAAAAAAAAAAAAAu+DjDP///wgAAAAAAAAAAAAAAAAAAAAAAAAAAAAAAAAAAAAAZAAAAAEAAABAAAAAAAAAAAAAAAAAAAAAAAAAAAAAAAAAAAAAAAAAAAAAAAAAAAAAAAAAAAAAAAAAAAAAAAAAAAAAAAAAAAAAAAAAAAAAAAAAAAAAAAAAAAAAAAAAAAAAFAAAADwAAAAAAAAAAAAAAAAAAAkUAAAAAQAAABQAAAAUAAAAFAAAAAEAAAAAAAAAZAAAAGQAAAAAAAAAZAAAAGQAAAAVAAAAYAAAAAAAAAAAAAAADwAAACADAAAAAAAAAAAAAAEAAACgMgAAVgcAAKr4//8BAAAAf39/AAEAAABkAAAAAAAAABQAAABAHwAAAAAAACYAAAAAAAAAwOD//wAAAAAmAAAAZAAAABYAAABMAAAAAAAAAAAAAAAEAAAAAAAAAAEAAACAgIAKAAAAACgAAAAoAAAAZAAAAGQAAAAAAAAAzMzMAAAAAABQAAAAUAAAAGQAAABkAAAAAAAAABcAAAAUAAAAAAAAAAAAAAD/fwAA/38AAAAAAAAJAAAABAAAAGkAZAAeAAAAaAAAAAAAAAAAAAAAAAAAAAAAAAAAAAAAECcAABAnAAAAAAAAAAAAAAAAAAAAAAAAAAAAAAAAAAAAAAAAAAAAABQAAAAAAAAAwMD/AAAAAABkAAAAMgAAAAAAAABkAAAAAAAAAH9/fwAKAAAAIgAAABgAAAAAAAAAAAAAAAAAAAAAAAAAAAAAAAAAAAAkAAAAJAAAAAAAAAAHAAAAAAAAAAAAAAAAAAAAAAAAAAAAAAAAAAAAf39/ACUAAABYAAAAAAAAAAAAAAAAAAAAAAAAAAAAAAAAAAAAAAAAAAAAAAAAAAAAAAAAAAAAAAA/AAAAAAAAAKCGAQAAAAAAAAAAAAAAAAAMAAAAAQAAAAAAAAAAAAAAAAAAAB8AAABUAAAAAAAABQAAAAEAAAAAAAAAAAAAAAAAAAAAAAAAAAAAAAAAAAAAAAAAAAAAAAJ/f38AAAAAA8zMzADAwP8Af39/AAAAAAAAAAAAAAAAAAAAAAAAAAAAIQAAABgAAAAUAAAAwAMAAK4BAABtHAAA1AgAABAAAAAmAAAACAAAAIGQAAAAAAAA"/>
               </a:ext>
             </a:extLst>
           </p:cNvSpPr>
@@ -2236,7 +2239,6 @@
             </a:lvl1pPr>
           </a:lstStyle>
           <a:p>
-            <a:pPr/>
             <a:r>
               <a:t>Click to edit Master title style</a:t>
             </a:r>
@@ -2250,7 +2252,7 @@
             <a:spLocks noGrp="1" noChangeArrowheads="1"/>
             <a:extLst>
               <a:ext uri="smNativeData">
-                <pr:smNativeData xmlns:pr="smNativeData" xmlns="smNativeData" val="SMDATA_15_PhJKaRMAAAAlAAAAZAAAAA0AAAAAkAAAAEgAAACQAAAASAAAAAAAAAAAAAAAAAAAAAEAAABQAAAAAAAAAAAA4D8AAAAAAADgPwAAAAAAAOA/AAAAAAAA4D8AAAAAAADgPwAAAAAAAOA/AAAAAAAA4D8AAAAAAADgPwAAAAAAAOA/AAAAAAAA4D8CAAAAjAAAAAAAAAAAAAAAu+DjDP///wgAAAAAAAAAAAAAAAAAAAAAAAAAAAAAAAAAAAAAZAAAAAEAAABAAAAAAAAAAAAAAAAAAAAAAAAAAAAAAAAAAAAAAAAAAAAAAAAAAAAAAAAAAAAAAAAAAAAAAAAAAAAAAAAAAAAAAAAAAAAAAAAAAAAAAAAAAAAAAAAAAAAAFAAAADwAAAAAAAAAAAAAAAAAAAkUAAAAAQAAABQAAAAUAAAAFAAAAAEAAAAAAAAAZAAAAGQAAAAAAAAAZAAAAGQAAAAVAAAAYAAAAAAAAAAAAAAADwAAACADAAAAAAAAAAAAAAEAAACgMgAAVgcAAKr4//8BAAAAf39/AAEAAABkAAAAAAAAABQAAABAHwAAAAAAACYAAAAAAAAAwOD//wAAAAAmAAAAZAAAABYAAABMAAAAAAAAAAAAAAAEAAAAAAAAAAEAAACAgIAKAAAAACgAAAAoAAAAZAAAAGQAAAAAAAAAzMzMAAAAAABQAAAAUAAAAGQAAABkAAAAAAAAABcAAAAUAAAAAAAAAAAAAAD/fwAA/38AAAAAAAAJAAAABAAAAAAAAAAeAAAAaAAAAAAAAAAAAAAAAAAAAAAAAAAAAAAAECcAABAnAAAAAAAAAAAAAAAAAAAAAAAAAAAAAAAAAAAAAAAAAAAAABQAAAAAAAAAwMD/AAAAAABkAAAAMgAAAAAAAABkAAAAAAAAAH9/fwAKAAAAIgAAABgAAAAAAAAAAAAAAAAAAAAAAAAAAAAAAAAAAAAkAAAAJAAAAAAAAAAHAAAAAAAAAAAAAAAAAAAAAAAAAAAAAAAAAAAAf39/ACUAAABYAAAAAAAAAAAAAAAAAAAAAAAAAAAAAAAAAAAAAAAAAAAAAAAAAAAAAAAAAAAAAAA/AAAAAAAAAKCGAQAAAAAAAAAAAAAAAAAMAAAAAQAAAAAAAAAAAAAAAAAAAB8AAABUAAAAAAAABQAAAAEAAAAAAAAAAAAAAAAAAAAAAAAAAAAAAAAAAAAAAAAAAAAAAAJ/f38AAAAAA8zMzADAwP8Af39/AAAAAAAAAAAAAAAAAAAAAAAAAAAAIQAAABgAAAAUAAAAUx0AAK4BAABARwAAsCUAABAAAAAmAAAACAAAAAGAAAAAAAAA"/>
+                <pr:smNativeData xmlns:mc="http://schemas.openxmlformats.org/markup-compatibility/2006" xmlns:p14="http://schemas.microsoft.com/office/powerpoint/2010/main" xmlns:p15="http://schemas.microsoft.com/office/powerpoint/2012/main" xmlns:pr="smNativeData" xmlns="smNativeData" val="SMDATA_15_PhJKaRMAAAAlAAAAZAAAAA0AAAAAkAAAAEgAAACQAAAASAAAAAAAAAAAAAAAAAAAAAEAAABQAAAAAAAAAAAA4D8AAAAAAADgPwAAAAAAAOA/AAAAAAAA4D8AAAAAAADgPwAAAAAAAOA/AAAAAAAA4D8AAAAAAADgPwAAAAAAAOA/AAAAAAAA4D8CAAAAjAAAAAAAAAAAAAAAu+DjDP///wgAAAAAAAAAAAAAAAAAAAAAAAAAAAAAAAAAAAAAZAAAAAEAAABAAAAAAAAAAAAAAAAAAAAAAAAAAAAAAAAAAAAAAAAAAAAAAAAAAAAAAAAAAAAAAAAAAAAAAAAAAAAAAAAAAAAAAAAAAAAAAAAAAAAAAAAAAAAAAAAAAAAAFAAAADwAAAAAAAAAAAAAAAAAAAkUAAAAAQAAABQAAAAUAAAAFAAAAAEAAAAAAAAAZAAAAGQAAAAAAAAAZAAAAGQAAAAVAAAAYAAAAAAAAAAAAAAADwAAACADAAAAAAAAAAAAAAEAAACgMgAAVgcAAKr4//8BAAAAf39/AAEAAABkAAAAAAAAABQAAABAHwAAAAAAACYAAAAAAAAAwOD//wAAAAAmAAAAZAAAABYAAABMAAAAAAAAAAAAAAAEAAAAAAAAAAEAAACAgIAKAAAAACgAAAAoAAAAZAAAAGQAAAAAAAAAzMzMAAAAAABQAAAAUAAAAGQAAABkAAAAAAAAABcAAAAUAAAAAAAAAAAAAAD/fwAA/38AAAAAAAAJAAAABAAAAAAAAAAeAAAAaAAAAAAAAAAAAAAAAAAAAAAAAAAAAAAAECcAABAnAAAAAAAAAAAAAAAAAAAAAAAAAAAAAAAAAAAAAAAAAAAAABQAAAAAAAAAwMD/AAAAAABkAAAAMgAAAAAAAABkAAAAAAAAAH9/fwAKAAAAIgAAABgAAAAAAAAAAAAAAAAAAAAAAAAAAAAAAAAAAAAkAAAAJAAAAAAAAAAHAAAAAAAAAAAAAAAAAAAAAAAAAAAAAAAAAAAAf39/ACUAAABYAAAAAAAAAAAAAAAAAAAAAAAAAAAAAAAAAAAAAAAAAAAAAAAAAAAAAAAAAAAAAAA/AAAAAAAAAKCGAQAAAAAAAAAAAAAAAAAMAAAAAQAAAAAAAAAAAAAAAAAAAB8AAABUAAAAAAAABQAAAAEAAAAAAAAAAAAAAAAAAAAAAAAAAAAAAAAAAAAAAAAAAAAAAAJ/f38AAAAAA8zMzADAwP8Af39/AAAAAAAAAAAAAAAAAAAAAAAAAAAAIQAAABgAAAAUAAAAUx0AAK4BAABARwAAsCUAABAAAAAmAAAACAAAAAGAAAAAAAAA"/>
               </a:ext>
             </a:extLst>
           </p:cNvSpPr>
@@ -2296,7 +2298,6 @@
             </a:lvl9pPr>
           </a:lstStyle>
           <a:p>
-            <a:pPr/>
             <a:r>
               <a:t>Click to edit Master text styles</a:t>
             </a:r>
@@ -2334,7 +2335,7 @@
             <a:spLocks noGrp="1" noChangeArrowheads="1"/>
             <a:extLst>
               <a:ext uri="smNativeData">
-                <pr:smNativeData xmlns:pr="smNativeData" xmlns="smNativeData" val="SMDATA_15_PhJKaRMAAAAlAAAAZAAAAA0AAAAAkAAAAEgAAACQAAAASAAAAAAAAAAAAAAAAAAAAAEAAABQAAAAAAAAAAAA4D8AAAAAAADgPwAAAAAAAOA/AAAAAAAA4D8AAAAAAADgPwAAAAAAAOA/AAAAAAAA4D8AAAAAAADgPwAAAAAAAOA/AAAAAAAA4D8CAAAAjAAAAAAAAAAAAAAAu+DjDP///wgAAAAAAAAAAAAAAAAAAAAAAAAAAAAAAAAAAAAAZAAAAAEAAABAAAAAAAAAAAAAAAAAAAAAAAAAAAAAAAAAAAAAAAAAAAAAAAAAAAAAAAAAAAAAAAAAAAAAAAAAAAAAAAAAAAAAAAAAAAAAAAAAAAAAAAAAAAAAAAAAAAAAFAAAADwAAAAAAAAAAAAAAAAAAAkUAAAAAQAAABQAAAAUAAAAFAAAAAEAAAAAAAAAZAAAAGQAAAAAAAAAZAAAAGQAAAAVAAAAYAAAAAAAAAAAAAAADwAAACADAAAAAAAAAAAAAAEAAACgMgAAVgcAAKr4//8BAAAAf39/AAEAAABkAAAAAAAAABQAAABAHwAAAAAAACYAAAAAAAAAwOD//wAAAAAmAAAAZAAAABYAAABMAAAAAAAAAAAAAAAEAAAAAAAAAAEAAACAgIAKAAAAACgAAAAoAAAAZAAAAGQAAAAAAAAAzMzMAAAAAABQAAAAUAAAAGQAAABkAAAAAAAAABcAAAAUAAAAAAAAAAAAAAD/fwAA/38AAAAAAAAJAAAABAAAAAAAAAAeAAAAaAAAAAAAAAAAAAAAAAAAAAAAAAAAAAAAECcAABAnAAAAAAAAAAAAAAAAAAAAAAAAAAAAAAAAAAAAAAAAAAAAABQAAAAAAAAAwMD/AAAAAABkAAAAMgAAAAAAAABkAAAAAAAAAH9/fwAKAAAAIgAAABgAAAAAAAAAAAAAAAAAAAAAAAAAAAAAAAAAAAAkAAAAJAAAAAAAAAAHAAAAAAAAAAAAAAAAAAAAAAAAAAAAAAAAAAAAf39/ACUAAABYAAAAAAAAAAAAAAAAAAAAAAAAAAAAAAAAAAAAAAAAAAAAAAAAAAAAAAAAAAAAAAA/AAAAAAAAAKCGAQAAAAAAAAAAAAAAAAAMAAAAAQAAAAAAAAAAAAAAAAAAAB8AAABUAAAAAAAABQAAAAEAAAAAAAAAAAAAAAAAAAAAAAAAAAAAAAAAAAAAAAAAAAAAAAJ/f38AAAAAA8zMzADAwP8Af39/AAAAAAAAAAAAAAAAAAAAAAAAAAAAIQAAABgAAAAUAAAAwAMAANQIAABtHAAAsCUAABAAAAAmAAAACAAAAAGAAAAAAAAA"/>
+                <pr:smNativeData xmlns:mc="http://schemas.openxmlformats.org/markup-compatibility/2006" xmlns:p14="http://schemas.microsoft.com/office/powerpoint/2010/main" xmlns:p15="http://schemas.microsoft.com/office/powerpoint/2012/main" xmlns:pr="smNativeData" xmlns="smNativeData" val="SMDATA_15_PhJKaRMAAAAlAAAAZAAAAA0AAAAAkAAAAEgAAACQAAAASAAAAAAAAAAAAAAAAAAAAAEAAABQAAAAAAAAAAAA4D8AAAAAAADgPwAAAAAAAOA/AAAAAAAA4D8AAAAAAADgPwAAAAAAAOA/AAAAAAAA4D8AAAAAAADgPwAAAAAAAOA/AAAAAAAA4D8CAAAAjAAAAAAAAAAAAAAAu+DjDP///wgAAAAAAAAAAAAAAAAAAAAAAAAAAAAAAAAAAAAAZAAAAAEAAABAAAAAAAAAAAAAAAAAAAAAAAAAAAAAAAAAAAAAAAAAAAAAAAAAAAAAAAAAAAAAAAAAAAAAAAAAAAAAAAAAAAAAAAAAAAAAAAAAAAAAAAAAAAAAAAAAAAAAFAAAADwAAAAAAAAAAAAAAAAAAAkUAAAAAQAAABQAAAAUAAAAFAAAAAEAAAAAAAAAZAAAAGQAAAAAAAAAZAAAAGQAAAAVAAAAYAAAAAAAAAAAAAAADwAAACADAAAAAAAAAAAAAAEAAACgMgAAVgcAAKr4//8BAAAAf39/AAEAAABkAAAAAAAAABQAAABAHwAAAAAAACYAAAAAAAAAwOD//wAAAAAmAAAAZAAAABYAAABMAAAAAAAAAAAAAAAEAAAAAAAAAAEAAACAgIAKAAAAACgAAAAoAAAAZAAAAGQAAAAAAAAAzMzMAAAAAABQAAAAUAAAAGQAAABkAAAAAAAAABcAAAAUAAAAAAAAAAAAAAD/fwAA/38AAAAAAAAJAAAABAAAAAAAAAAeAAAAaAAAAAAAAAAAAAAAAAAAAAAAAAAAAAAAECcAABAnAAAAAAAAAAAAAAAAAAAAAAAAAAAAAAAAAAAAAAAAAAAAABQAAAAAAAAAwMD/AAAAAABkAAAAMgAAAAAAAABkAAAAAAAAAH9/fwAKAAAAIgAAABgAAAAAAAAAAAAAAAAAAAAAAAAAAAAAAAAAAAAkAAAAJAAAAAAAAAAHAAAAAAAAAAAAAAAAAAAAAAAAAAAAAAAAAAAAf39/ACUAAABYAAAAAAAAAAAAAAAAAAAAAAAAAAAAAAAAAAAAAAAAAAAAAAAAAAAAAAAAAAAAAAA/AAAAAAAAAKCGAQAAAAAAAAAAAAAAAAAMAAAAAQAAAAAAAAAAAAAAAAAAAB8AAABUAAAAAAAABQAAAAEAAAAAAAAAAAAAAAAAAAAAAAAAAAAAAAAAAAAAAAAAAAAAAAJ/f38AAAAAA8zMzADAwP8Af39/AAAAAAAAAAAAAAAAAAAAAAAAAAAAIQAAABgAAAAUAAAAwAMAANQIAABtHAAAsCUAABAAAAAmAAAACAAAAAGAAAAAAAAA"/>
               </a:ext>
             </a:extLst>
           </p:cNvSpPr>
@@ -2389,7 +2390,6 @@
             </a:lvl9pPr>
           </a:lstStyle>
           <a:p>
-            <a:pPr/>
             <a:r>
               <a:t>Click to edit Master text styles</a:t>
             </a:r>
@@ -2403,7 +2403,7 @@
             <a:spLocks noGrp="1" noChangeArrowheads="1"/>
             <a:extLst>
               <a:ext uri="smNativeData">
-                <pr:smNativeData xmlns:pr="smNativeData" xmlns="smNativeData" val="SMDATA_15_PhJKaRMAAAAlAAAAZAAAAA0AAAAAkAAAAEgAAACQAAAASAAAAAAAAAABAAAAAAAAAAEAAABQAAAAAAAAAAAA4D8AAAAAAADgPwAAAAAAAOA/AAAAAAAA4D8AAAAAAADgPwAAAAAAAOA/AAAAAAAA4D8AAAAAAADgPwAAAAAAAOA/AAAAAAAA4D8CAAAAjAAAAAAAAAAAAAAAu+DjDP///wgAAAAAAAAAAAAAAAAAAAAAAAAAAAAAAAAAAAAAZAAAAAEAAABAAAAAAAAAAAAAAAAAAAAAAAAAAAAAAAAAAAAAAAAAAAAAAAAAAAAAAAAAAAAAAAAAAAAAAAAAAAAAAAAAAAAAAAAAAAAAAAAAAAAAAAAAAAAAAAAAAAAAFAAAADwAAAAAAAAAAAAAAAAAAAkUAAAAAQAAABQAAAAUAAAAFAAAAAEAAAAAAAAAZAAAAGQAAAAAAAAAZAAAAGQAAAAVAAAAYAAAAAAAAAAAAAAADwAAACADAAAAAAAAAAAAAAEAAACgMgAAVgcAAKr4//8BAAAAf39/AAEAAABkAAAAAAAAABQAAABAHwAAAAAAACYAAAAAAAAAwOD//wAAAAAmAAAAZAAAABYAAABMAAAAAAAAAAAAAAAEAAAAAAAAAAEAAACAgIAKAAAAACgAAAAoAAAAZAAAAGQAAAAAAAAAzMzMAAAAAABQAAAAUAAAAGQAAABkAAAAAAAAABcAAAAUAAAAAAAAAAAAAAD/fwAA/38AAAAAAAAJAAAABAAAAAAAAAAeAAAAaAAAAAAAAAAAAAAAAAAAAAAAAAAAAAAAECcAABAnAAAAAAAAAAAAAAAAAAAAAAAAAAAAAAAAAAAAAAAAAAAAABQAAAAAAAAAwMD/AAAAAABkAAAAMgAAAAAAAABkAAAAAAAAAH9/fwAKAAAAIgAAABgAAAAAAAAAAAAAAAAAAAAAAAAAAAAAAAAAAAAkAAAAJAAAAAAAAAAHAAAAAAAAAAAAAAAAAAAAAAAAAAAAAAAAAAAAf39/ACUAAABYAAAAAAAAAAAAAAAAAAAAAAAAAAAAAAAAAAAAAAAAAAAAAAAAAAAAAAAAAAAAAAA/AAAAAAAAAKCGAQAAAAAAAAAAAAAAAAAMAAAAAQAAAAAAAAAAAAAAAAAAAB8AAABUAAAAAAAABQAAAAEAAAAAAAAAAAAAAAAAAAAAAAAAAAAAAAAAAAAAAAAAAAAAAAJ/f38AAAAAA8zMzADAwP8Af39/AAAAAAAAAAAAAAAAAAAAAAAAAAAAIQAAABgAAAAUAAAAwAMAABsnAAA/FQAAWSkAABAAAAAmAAAACAAAAAAAAAAAAAAA"/>
+                <pr:smNativeData xmlns:mc="http://schemas.openxmlformats.org/markup-compatibility/2006" xmlns:p14="http://schemas.microsoft.com/office/powerpoint/2010/main" xmlns:p15="http://schemas.microsoft.com/office/powerpoint/2012/main" xmlns:pr="smNativeData" xmlns="smNativeData" val="SMDATA_15_PhJKaRMAAAAlAAAAZAAAAA0AAAAAkAAAAEgAAACQAAAASAAAAAAAAAABAAAAAAAAAAEAAABQAAAAAAAAAAAA4D8AAAAAAADgPwAAAAAAAOA/AAAAAAAA4D8AAAAAAADgPwAAAAAAAOA/AAAAAAAA4D8AAAAAAADgPwAAAAAAAOA/AAAAAAAA4D8CAAAAjAAAAAAAAAAAAAAAu+DjDP///wgAAAAAAAAAAAAAAAAAAAAAAAAAAAAAAAAAAAAAZAAAAAEAAABAAAAAAAAAAAAAAAAAAAAAAAAAAAAAAAAAAAAAAAAAAAAAAAAAAAAAAAAAAAAAAAAAAAAAAAAAAAAAAAAAAAAAAAAAAAAAAAAAAAAAAAAAAAAAAAAAAAAAFAAAADwAAAAAAAAAAAAAAAAAAAkUAAAAAQAAABQAAAAUAAAAFAAAAAEAAAAAAAAAZAAAAGQAAAAAAAAAZAAAAGQAAAAVAAAAYAAAAAAAAAAAAAAADwAAACADAAAAAAAAAAAAAAEAAACgMgAAVgcAAKr4//8BAAAAf39/AAEAAABkAAAAAAAAABQAAABAHwAAAAAAACYAAAAAAAAAwOD//wAAAAAmAAAAZAAAABYAAABMAAAAAAAAAAAAAAAEAAAAAAAAAAEAAACAgIAKAAAAACgAAAAoAAAAZAAAAGQAAAAAAAAAzMzMAAAAAABQAAAAUAAAAGQAAABkAAAAAAAAABcAAAAUAAAAAAAAAAAAAAD/fwAA/38AAAAAAAAJAAAABAAAAAAAAAAeAAAAaAAAAAAAAAAAAAAAAAAAAAAAAAAAAAAAECcAABAnAAAAAAAAAAAAAAAAAAAAAAAAAAAAAAAAAAAAAAAAAAAAABQAAAAAAAAAwMD/AAAAAABkAAAAMgAAAAAAAABkAAAAAAAAAH9/fwAKAAAAIgAAABgAAAAAAAAAAAAAAAAAAAAAAAAAAAAAAAAAAAAkAAAAJAAAAAAAAAAHAAAAAAAAAAAAAAAAAAAAAAAAAAAAAAAAAAAAf39/ACUAAABYAAAAAAAAAAAAAAAAAAAAAAAAAAAAAAAAAAAAAAAAAAAAAAAAAAAAAAAAAAAAAAA/AAAAAAAAAKCGAQAAAAAAAAAAAAAAAAAMAAAAAQAAAAAAAAAAAAAAAAAAAB8AAABUAAAAAAAABQAAAAEAAAAAAAAAAAAAAAAAAAAAAAAAAAAAAAAAAAAAAAAAAAAAAAJ/f38AAAAAA8zMzADAwP8Af39/AAAAAAAAAAAAAAAAAAAAAAAAAAAAIQAAABgAAAAUAAAAwAMAABsnAAA/FQAAWSkAABAAAAAmAAAACAAAAAAAAAAAAAAA"/>
               </a:ext>
             </a:extLst>
           </p:cNvSpPr>
@@ -2416,10 +2416,10 @@
           <a:bodyPr/>
           <a:lstStyle/>
           <a:p>
-            <a:pPr/>
             <a:fld id="{0CA79336-78E1-F265-AF1F-8E30DD5159DB}" type="datetime1">
-              <a:t>12/16/2025</a:t>
+              <a:t>12/29/2025</a:t>
             </a:fld>
+            <a:endParaRPr/>
           </a:p>
         </p:txBody>
       </p:sp>
@@ -2430,7 +2430,7 @@
             <a:spLocks noGrp="1" noChangeArrowheads="1"/>
             <a:extLst>
               <a:ext uri="smNativeData">
-                <pr:smNativeData xmlns:pr="smNativeData" xmlns="smNativeData" val="SMDATA_15_PhJKaRMAAAAlAAAAZAAAAA0AAAAAkAAAAEgAAACQAAAASAAAAAAAAAABAAAAAAAAAAEAAABQAAAAAAAAAAAA4D8AAAAAAADgPwAAAAAAAOA/AAAAAAAA4D8AAAAAAADgPwAAAAAAAOA/AAAAAAAA4D8AAAAAAADgPwAAAAAAAOA/AAAAAAAA4D8CAAAAjAAAAAAAAAAAAAAAu+DjDP///wgAAAAAAAAAAAAAAAAAAAAAAAAAAAAAAAAAAAAAZAAAAAEAAABAAAAAAAAAAAAAAAAAAAAAAAAAAAAAAAAAAAAAAAAAAAAAAAAAAAAAAAAAAAAAAAAAAAAAAAAAAAAAAAAAAAAAAAAAAAAAAAAAAAAAAAAAAAAAAAAAAAAAFAAAADwAAAAAAAAAAAAAAAAAAAkUAAAAAQAAABQAAAAUAAAAFAAAAAEAAAAAAAAAZAAAAGQAAAAAAAAAZAAAAGQAAAAVAAAAYAAAAAAAAAAAAAAADwAAACADAAAAAAAAAAAAAAEAAACgMgAAVgcAAKr4//8BAAAAf39/AAEAAABkAAAAAAAAABQAAABAHwAAAAAAACYAAAAAAAAAwOD//wAAAAAmAAAAZAAAABYAAABMAAAAAAAAAAAAAAAEAAAAAAAAAAEAAACAgIAKAAAAACgAAAAoAAAAZAAAAGQAAAAAAAAAzMzMAAAAAABQAAAAUAAAAGQAAABkAAAAAAAAABcAAAAUAAAAAAAAAAAAAAD/fwAA/38AAAAAAAAJAAAABAAAAAAAAAAeAAAAaAAAAAAAAAAAAAAAAAAAAAAAAAAAAAAAECcAABAnAAAAAAAAAAAAAAAAAAAAAAAAAAAAAAAAAAAAAAAAAAAAABQAAAAAAAAAwMD/AAAAAABkAAAAMgAAAAAAAABkAAAAAAAAAH9/fwAKAAAAIgAAABgAAAAAAAAAAAAAAAAAAAAAAAAAAAAAAAAAAAAkAAAAJAAAAAAAAAAHAAAAAAAAAAAAAAAAAAAAAAAAAAAAAAAAAAAAf39/ACUAAABYAAAAAAAAAAAAAAAAAAAAAAAAAAAAAAAAAAAAAAAAAAAAAAAAAAAAAAAAAAAAAAA/AAAAAAAAAKCGAQAAAAAAAAAAAAAAAAAMAAAAAQAAAAAAAAAAAAAAAAAAAB8AAABUAAAAAAAABQAAAAEAAAAAAAAAAAAAAAAAAAAAAAAAAAAAAAAAAAAAAAAAAAAAAAJ/f38AAAAAA8zMzADAwP8Af39/AAAAAAAAAAAAAAAAAAAAAAAAAAAAIQAAABgAAAAUAAAAoRkAABsnAABfMQAAWSkAABAAAAAmAAAACAAAAAAAAAAAAAAA"/>
+                <pr:smNativeData xmlns:mc="http://schemas.openxmlformats.org/markup-compatibility/2006" xmlns:p14="http://schemas.microsoft.com/office/powerpoint/2010/main" xmlns:p15="http://schemas.microsoft.com/office/powerpoint/2012/main" xmlns:pr="smNativeData" xmlns="smNativeData" val="SMDATA_15_PhJKaRMAAAAlAAAAZAAAAA0AAAAAkAAAAEgAAACQAAAASAAAAAAAAAABAAAAAAAAAAEAAABQAAAAAAAAAAAA4D8AAAAAAADgPwAAAAAAAOA/AAAAAAAA4D8AAAAAAADgPwAAAAAAAOA/AAAAAAAA4D8AAAAAAADgPwAAAAAAAOA/AAAAAAAA4D8CAAAAjAAAAAAAAAAAAAAAu+DjDP///wgAAAAAAAAAAAAAAAAAAAAAAAAAAAAAAAAAAAAAZAAAAAEAAABAAAAAAAAAAAAAAAAAAAAAAAAAAAAAAAAAAAAAAAAAAAAAAAAAAAAAAAAAAAAAAAAAAAAAAAAAAAAAAAAAAAAAAAAAAAAAAAAAAAAAAAAAAAAAAAAAAAAAFAAAADwAAAAAAAAAAAAAAAAAAAkUAAAAAQAAABQAAAAUAAAAFAAAAAEAAAAAAAAAZAAAAGQAAAAAAAAAZAAAAGQAAAAVAAAAYAAAAAAAAAAAAAAADwAAACADAAAAAAAAAAAAAAEAAACgMgAAVgcAAKr4//8BAAAAf39/AAEAAABkAAAAAAAAABQAAABAHwAAAAAAACYAAAAAAAAAwOD//wAAAAAmAAAAZAAAABYAAABMAAAAAAAAAAAAAAAEAAAAAAAAAAEAAACAgIAKAAAAACgAAAAoAAAAZAAAAGQAAAAAAAAAzMzMAAAAAABQAAAAUAAAAGQAAABkAAAAAAAAABcAAAAUAAAAAAAAAAAAAAD/fwAA/38AAAAAAAAJAAAABAAAAAAAAAAeAAAAaAAAAAAAAAAAAAAAAAAAAAAAAAAAAAAAECcAABAnAAAAAAAAAAAAAAAAAAAAAAAAAAAAAAAAAAAAAAAAAAAAABQAAAAAAAAAwMD/AAAAAABkAAAAMgAAAAAAAABkAAAAAAAAAH9/fwAKAAAAIgAAABgAAAAAAAAAAAAAAAAAAAAAAAAAAAAAAAAAAAAkAAAAJAAAAAAAAAAHAAAAAAAAAAAAAAAAAAAAAAAAAAAAAAAAAAAAf39/ACUAAABYAAAAAAAAAAAAAAAAAAAAAAAAAAAAAAAAAAAAAAAAAAAAAAAAAAAAAAAAAAAAAAA/AAAAAAAAAKCGAQAAAAAAAAAAAAAAAAAMAAAAAQAAAAAAAAAAAAAAAAAAAB8AAABUAAAAAAAABQAAAAEAAAAAAAAAAAAAAAAAAAAAAAAAAAAAAAAAAAAAAAAAAAAAAAJ/f38AAAAAA8zMzADAwP8Af39/AAAAAAAAAAAAAAAAAAAAAAAAAAAAIQAAABgAAAAUAAAAoRkAABsnAABfMQAAWSkAABAAAAAmAAAACAAAAAAAAAAAAAAA"/>
               </a:ext>
             </a:extLst>
           </p:cNvSpPr>
@@ -2443,7 +2443,7 @@
           <a:bodyPr/>
           <a:lstStyle/>
           <a:p>
-            <a:pPr/>
+            <a:endParaRPr/>
           </a:p>
         </p:txBody>
       </p:sp>
@@ -2454,7 +2454,7 @@
             <a:spLocks noGrp="1" noChangeArrowheads="1"/>
             <a:extLst>
               <a:ext uri="smNativeData">
-                <pr:smNativeData xmlns:pr="smNativeData" xmlns="smNativeData" val="SMDATA_15_PhJKaRMAAAAlAAAAZAAAAA0AAAAAkAAAAEgAAACQAAAASAAAAAAAAAABAAAAAAAAAAEAAABQAAAAAAAAAAAA4D8AAAAAAADgPwAAAAAAAOA/AAAAAAAA4D8AAAAAAADgPwAAAAAAAOA/AAAAAAAA4D8AAAAAAADgPwAAAAAAAOA/AAAAAAAA4D8CAAAAjAAAAAAAAAAAAAAAu+DjDP///wgAAAAAAAAAAAAAAAAAAAAAAAAAAAAAAAAAAAAAZAAAAAEAAABAAAAAAAAAAAAAAAAAAAAAAAAAAAAAAAAAAAAAAAAAAAAAAAAAAAAAAAAAAAAAAAAAAAAAAAAAAAAAAAAAAAAAAAAAAAAAAAAAAAAAAAAAAAAAAAAAAAAAFAAAADwAAAAAAAAAAAAAAAAAAAkUAAAAAQAAABQAAAAUAAAAFAAAAAEAAAAAAAAAZAAAAGQAAAAAAAAAZAAAAGQAAAAVAAAAYAAAAAAAAAAAAAAADwAAACADAAAAAAAAAAAAAAEAAACgMgAAVgcAAKr4//8BAAAAf39/AAEAAABkAAAAAAAAABQAAABAHwAAAAAAACYAAAAAAAAAwOD//wAAAAAmAAAAZAAAABYAAABMAAAAAAAAAAAAAAAEAAAAAAAAAAEAAACAgIAKAAAAACgAAAAoAAAAZAAAAGQAAAAAAAAAzMzMAAAAAABQAAAAUAAAAGQAAABkAAAAAAAAABcAAAAUAAAAAAAAAAAAAAD/fwAA/38AAAAAAAAJAAAABAAAAAAAAAAeAAAAaAAAAAAAAAAAAAAAAAAAAAAAAAAAAAAAECcAABAnAAAAAAAAAAAAAAAAAAAAAAAAAAAAAAAAAAAAAAAAAAAAABQAAAAAAAAAwMD/AAAAAABkAAAAMgAAAAAAAABkAAAAAAAAAH9/fwAKAAAAIgAAABgAAAAAAAAAAAAAAAAAAAAAAAAAAAAAAAAAAAAkAAAAJAAAAAAAAAAHAAAAAAAAAAAAAAAAAAAAAAAAAAAAAAAAAAAAf39/ACUAAABYAAAAAAAAAAAAAAAAAAAAAAAAAAAAAAAAAAAAAAAAAAAAAAAAAAAAAAAAAAAAAAA/AAAAAAAAAKCGAQAAAAAAAAAAAAAAAAAMAAAAAQAAAAAAAAAAAAAAAAAAAB8AAABUAAAAAAAABQAAAAEAAAAAAAAAAAAAAAAAAAAAAAAAAAAAAAAAAAAAAAAAAAAAAAJ/f38AAAAAA8zMzADAwP8Af39/AAAAAAAAAAAAAAAAAAAAAAAAAAAAIQAAABgAAAAUAAAAwTUAABsnAABARwAAWSkAABAAAAAmAAAACAAAAAAAAAAAAAAA"/>
+                <pr:smNativeData xmlns:mc="http://schemas.openxmlformats.org/markup-compatibility/2006" xmlns:p14="http://schemas.microsoft.com/office/powerpoint/2010/main" xmlns:p15="http://schemas.microsoft.com/office/powerpoint/2012/main" xmlns:pr="smNativeData" xmlns="smNativeData" val="SMDATA_15_PhJKaRMAAAAlAAAAZAAAAA0AAAAAkAAAAEgAAACQAAAASAAAAAAAAAABAAAAAAAAAAEAAABQAAAAAAAAAAAA4D8AAAAAAADgPwAAAAAAAOA/AAAAAAAA4D8AAAAAAADgPwAAAAAAAOA/AAAAAAAA4D8AAAAAAADgPwAAAAAAAOA/AAAAAAAA4D8CAAAAjAAAAAAAAAAAAAAAu+DjDP///wgAAAAAAAAAAAAAAAAAAAAAAAAAAAAAAAAAAAAAZAAAAAEAAABAAAAAAAAAAAAAAAAAAAAAAAAAAAAAAAAAAAAAAAAAAAAAAAAAAAAAAAAAAAAAAAAAAAAAAAAAAAAAAAAAAAAAAAAAAAAAAAAAAAAAAAAAAAAAAAAAAAAAFAAAADwAAAAAAAAAAAAAAAAAAAkUAAAAAQAAABQAAAAUAAAAFAAAAAEAAAAAAAAAZAAAAGQAAAAAAAAAZAAAAGQAAAAVAAAAYAAAAAAAAAAAAAAADwAAACADAAAAAAAAAAAAAAEAAACgMgAAVgcAAKr4//8BAAAAf39/AAEAAABkAAAAAAAAABQAAABAHwAAAAAAACYAAAAAAAAAwOD//wAAAAAmAAAAZAAAABYAAABMAAAAAAAAAAAAAAAEAAAAAAAAAAEAAACAgIAKAAAAACgAAAAoAAAAZAAAAGQAAAAAAAAAzMzMAAAAAABQAAAAUAAAAGQAAABkAAAAAAAAABcAAAAUAAAAAAAAAAAAAAD/fwAA/38AAAAAAAAJAAAABAAAAAAAAAAeAAAAaAAAAAAAAAAAAAAAAAAAAAAAAAAAAAAAECcAABAnAAAAAAAAAAAAAAAAAAAAAAAAAAAAAAAAAAAAAAAAAAAAABQAAAAAAAAAwMD/AAAAAABkAAAAMgAAAAAAAABkAAAAAAAAAH9/fwAKAAAAIgAAABgAAAAAAAAAAAAAAAAAAAAAAAAAAAAAAAAAAAAkAAAAJAAAAAAAAAAHAAAAAAAAAAAAAAAAAAAAAAAAAAAAAAAAAAAAf39/ACUAAABYAAAAAAAAAAAAAAAAAAAAAAAAAAAAAAAAAAAAAAAAAAAAAAAAAAAAAAAAAAAAAAA/AAAAAAAAAKCGAQAAAAAAAAAAAAAAAAAMAAAAAQAAAAAAAAAAAAAAAAAAAB8AAABUAAAAAAAABQAAAAEAAAAAAAAAAAAAAAAAAAAAAAAAAAAAAAAAAAAAAAAAAAAAAAJ/f38AAAAAA8zMzADAwP8Af39/AAAAAAAAAAAAAAAAAAAAAAAAAAAAIQAAABgAAAAUAAAAwTUAABsnAABARwAAWSkAABAAAAAmAAAACAAAAAAAAAAAAAAA"/>
               </a:ext>
             </a:extLst>
           </p:cNvSpPr>
@@ -2467,10 +2467,10 @@
           <a:bodyPr/>
           <a:lstStyle/>
           <a:p>
-            <a:pPr/>
             <a:fld id="{0CA7D805-4BE1-F22E-AF1F-BD7B965159E8}" type="slidenum">
               <a:t>‹#›</a:t>
             </a:fld>
+            <a:endParaRPr/>
           </a:p>
         </p:txBody>
       </p:sp>
@@ -2484,7 +2484,7 @@
 </file>
 
 <file path=ppt/slideLayouts/slideLayout9.xml><?xml version="1.0" encoding="utf-8"?>
-<p:sldLayout xmlns:p="http://schemas.openxmlformats.org/presentationml/2006/main" xmlns:mc="http://schemas.openxmlformats.org/markup-compatibility/2006" xmlns:p14="http://schemas.microsoft.com/office/powerpoint/2010/main" xmlns:p15="http://schemas.microsoft.com/office/powerpoint/2012/main" xmlns:r="http://schemas.openxmlformats.org/officeDocument/2006/relationships" xmlns:a="http://schemas.openxmlformats.org/drawingml/2006/main" type="picTx">
+<p:sldLayout xmlns:a="http://schemas.openxmlformats.org/drawingml/2006/main" xmlns:r="http://schemas.openxmlformats.org/officeDocument/2006/relationships" xmlns:p="http://schemas.openxmlformats.org/presentationml/2006/main" type="picTx">
   <p:cSld name="Picture with caption">
     <p:spTree>
       <p:nvGrpSpPr>
@@ -2507,7 +2507,7 @@
             <a:spLocks noGrp="1" noChangeArrowheads="1"/>
             <a:extLst>
               <a:ext uri="smNativeData">
-                <pr:smNativeData xmlns:pr="smNativeData" xmlns="smNativeData" val="SMDATA_15_PhJKaRMAAAAlAAAAZAAAAA0AAAAAkAAAAEgAAACQAAAASAAAAAAAAAACAAAAAAAAAAEAAABQAAAAAAAAAAAA4D8AAAAAAADgPwAAAAAAAOA/AAAAAAAA4D8AAAAAAADgPwAAAAAAAOA/AAAAAAAA4D8AAAAAAADgPwAAAAAAAOA/AAAAAAAA4D8CAAAAjAAAAAAAAAAAAAAAu+DjDP///wgAAAAAAAAAAAAAAAAAAAAAAAAAAAAAAAAAAAAAZAAAAAEAAABAAAAAAAAAAAAAAAAAAAAAAAAAAAAAAAAAAAAAAAAAAAAAAAAAAAAAAAAAAAAAAAAAAAAAAAAAAAAAAAAAAAAAAAAAAAAAAAAAAAAAAAAAAAAAAAAAAAAAFAAAADwAAAAAAAAAAAAAAAAAAAkUAAAAAQAAABQAAAAUAAAAFAAAAAEAAAAAAAAAZAAAAGQAAAAAAAAAZAAAAGQAAAAVAAAAYAAAAAAAAAAAAAAADwAAACADAAAAAAAAAAAAAAEAAACgMgAAVgcAAKr4//8BAAAAf39/AAEAAABkAAAAAAAAABQAAABAHwAAAAAAACYAAAAAAAAAwOD//wAAAAAmAAAAZAAAABYAAABMAAAAAAAAAAAAAAAEAAAAAAAAAAEAAACAgIAKAAAAACgAAAAoAAAAZAAAAGQAAAAAAAAAzMzMAAAAAABQAAAAUAAAAGQAAABkAAAAAAAAABcAAAAUAAAAAAAAAAAAAAD/fwAA/38AAAAAAAAJAAAABAAAAAAAAAAeAAAAaAAAAAAAAAAAAAAAAAAAAAAAAAAAAAAAECcAABAnAAAAAAAAAAAAAAAAAAAAAAAAAAAAAAAAAAAAAAAAAAAAABQAAAAAAAAAwMD/AAAAAABkAAAAMgAAAAAAAABkAAAAAAAAAH9/fwAKAAAAIgAAABgAAAAAAAAAAAAAAAAAAAAAAAAAAAAAAAAAAAAkAAAAJAAAAAAAAAAHAAAAAAAAAAAAAAAAAAAAAAAAAAAAAAAAAAAAf39/ACUAAABYAAAAAAAAAAAAAAAAAAAAAAAAAAAAAAAAAAAAAAAAAAAAAAAAAAAAAAAAAAAAAAA/AAAAAAAAAKCGAQAAAAAAAAAAAAAAAAAMAAAAAQAAAAAAAAAAAAAAAAAAAB8AAABUAAAAAAAABQAAAAEAAAAAAAAAAAAAAAAAAAAAAAAAAAAAAAAAAAAAAAAAAAAAAAJ/f38AAAAAA8zMzADAwP8Af39/AAAAAAAAAAAAAAAAAAAAAAAAAAAAIQAAABgAAAAUAAAAsw4AAIgdAACzOwAABCEAABAAAAAmAAAACAAAAIGQAAAAAAAA"/>
+                <pr:smNativeData xmlns:mc="http://schemas.openxmlformats.org/markup-compatibility/2006" xmlns:p14="http://schemas.microsoft.com/office/powerpoint/2010/main" xmlns:p15="http://schemas.microsoft.com/office/powerpoint/2012/main" xmlns:pr="smNativeData" xmlns="smNativeData" val="SMDATA_15_PhJKaRMAAAAlAAAAZAAAAA0AAAAAkAAAAEgAAACQAAAASAAAAAAAAAACAAAAAAAAAAEAAABQAAAAAAAAAAAA4D8AAAAAAADgPwAAAAAAAOA/AAAAAAAA4D8AAAAAAADgPwAAAAAAAOA/AAAAAAAA4D8AAAAAAADgPwAAAAAAAOA/AAAAAAAA4D8CAAAAjAAAAAAAAAAAAAAAu+DjDP///wgAAAAAAAAAAAAAAAAAAAAAAAAAAAAAAAAAAAAAZAAAAAEAAABAAAAAAAAAAAAAAAAAAAAAAAAAAAAAAAAAAAAAAAAAAAAAAAAAAAAAAAAAAAAAAAAAAAAAAAAAAAAAAAAAAAAAAAAAAAAAAAAAAAAAAAAAAAAAAAAAAAAAFAAAADwAAAAAAAAAAAAAAAAAAAkUAAAAAQAAABQAAAAUAAAAFAAAAAEAAAAAAAAAZAAAAGQAAAAAAAAAZAAAAGQAAAAVAAAAYAAAAAAAAAAAAAAADwAAACADAAAAAAAAAAAAAAEAAACgMgAAVgcAAKr4//8BAAAAf39/AAEAAABkAAAAAAAAABQAAABAHwAAAAAAACYAAAAAAAAAwOD//wAAAAAmAAAAZAAAABYAAABMAAAAAAAAAAAAAAAEAAAAAAAAAAEAAACAgIAKAAAAACgAAAAoAAAAZAAAAGQAAAAAAAAAzMzMAAAAAABQAAAAUAAAAGQAAABkAAAAAAAAABcAAAAUAAAAAAAAAAAAAAD/fwAA/38AAAAAAAAJAAAABAAAAAAAAAAeAAAAaAAAAAAAAAAAAAAAAAAAAAAAAAAAAAAAECcAABAnAAAAAAAAAAAAAAAAAAAAAAAAAAAAAAAAAAAAAAAAAAAAABQAAAAAAAAAwMD/AAAAAABkAAAAMgAAAAAAAABkAAAAAAAAAH9/fwAKAAAAIgAAABgAAAAAAAAAAAAAAAAAAAAAAAAAAAAAAAAAAAAkAAAAJAAAAAAAAAAHAAAAAAAAAAAAAAAAAAAAAAAAAAAAAAAAAAAAf39/ACUAAABYAAAAAAAAAAAAAAAAAAAAAAAAAAAAAAAAAAAAAAAAAAAAAAAAAAAAAAAAAAAAAAA/AAAAAAAAAKCGAQAAAAAAAAAAAAAAAAAMAAAAAQAAAAAAAAAAAAAAAAAAAB8AAABUAAAAAAAABQAAAAEAAAAAAAAAAAAAAAAAAAAAAAAAAAAAAAAAAAAAAAAAAAAAAAJ/f38AAAAAA8zMzADAwP8Af39/AAAAAAAAAAAAAAAAAAAAAAAAAAAAIQAAABgAAAAUAAAAsw4AAIgdAACzOwAABCEAABAAAAAmAAAACAAAAIGQAAAAAAAA"/>
               </a:ext>
             </a:extLst>
           </p:cNvSpPr>
@@ -2533,7 +2533,6 @@
             </a:lvl1pPr>
           </a:lstStyle>
           <a:p>
-            <a:pPr/>
             <a:r>
               <a:t>Click to edit Master title style</a:t>
             </a:r>
@@ -2547,7 +2546,7 @@
             <a:spLocks noGrp="1" noChangeArrowheads="1"/>
             <a:extLst>
               <a:ext uri="smNativeData">
-                <pr:smNativeData xmlns:pr="smNativeData" xmlns="smNativeData" val="SMDATA_15_PhJKaRMAAAAlAAAAZAAAAA0AAAAAkAAAAEgAAACQAAAASAAAAAAAAAAAAAAAAAAAAAEAAABQAAAAAAAAAAAA4D8AAAAAAADgPwAAAAAAAOA/AAAAAAAA4D8AAAAAAADgPwAAAAAAAOA/AAAAAAAA4D8AAAAAAADgPwAAAAAAAOA/AAAAAAAA4D8CAAAAjAAAAAAAAAAAAAAAu+DjDP///wgAAAAAAAAAAAAAAAAAAAAAAAAAAAAAAAAAAAAAZAAAAAEAAABAAAAAAAAAAAAAAAAAAAAAAAAAAAAAAAAAAAAAAAAAAAAAAAAAAAAAAAAAAAAAAAAAAAAAAAAAAAAAAAAAAAAAAAAAAAAAAAAAAAAAAAAAAAAAAAAAAAAAFAAAADwAAAAAAAAAAAAAAAAAAAkUAAAAAQAAABQAAAAUAAAAFAAAAAEAAAAAAAAAZAAAAGQAAAAAAAAAZAAAAGQAAAAVAAAAYAAAAAAAAAAAAAAADwAAACADAAAAAAAAAAAAAAEAAACgMgAAVgcAAKr4//8BAAAAf39/AAEAAABkAAAAAAAAABQAAABAHwAAAAAAACYAAAAAAAAAwOD//wAAAAAmAAAAZAAAABYAAABMAAAAAAAAAAAAAAAEAAAAAAAAAAEAAACAgIAKAAAAACgAAAAoAAAAZAAAAGQAAAAAAAAAzMzMAAAAAABQAAAAUAAAAGQAAABkAAAAAAAAABcAAAAUAAAAAAAAAAAAAAD/fwAA/38AAAAAAAAJAAAABAAAAAAAAAAeAAAAaAAAAAAAAAAAAAAAAAAAAAAAAAAAAAAAECcAABAnAAAAAAAAAAAAAAAAAAAAAAAAAAAAAAAAAAAAAAAAAAAAABQAAAAAAAAAwMD/AAAAAABkAAAAMgAAAAAAAABkAAAAAAAAAH9/fwAKAAAAIgAAABgAAAAAAAAAAAAAAAAAAAAAAAAAAAAAAAAAAAAkAAAAJAAAAAAAAAAHAAAAAAAAAAAAAAAAAAAAAAAAAAAAAAAAAAAAf39/ACUAAABYAAAAAAAAAAAAAAAAAAAAAAAAAAAAAAAAAAAAAAAAAAAAAAAAAAAAAAAAAAAAAAA/AAAAAAAAAKCGAQAAAAAAAAAAAAAAAAAMAAAAAQAAAAAAAAAAAAAAAAAAAB8AAABUAAAAAAAABQAAAAEAAAAAAAAAAAAAAAAAAAAAAAAAAAAAAAAAAAAAAAAAAAAAAAJ/f38AAAAAA8zMzADAwP8Af39/AAAAAAAAAAAAAAAAAAAAAAAAAAAAIQAAABgAAAAUAAAAsw4AAMYDAACzOwAAFh0AABAAAAAmAAAACAAAAAGAAAAAAAAA"/>
+                <pr:smNativeData xmlns:mc="http://schemas.openxmlformats.org/markup-compatibility/2006" xmlns:p14="http://schemas.microsoft.com/office/powerpoint/2010/main" xmlns:p15="http://schemas.microsoft.com/office/powerpoint/2012/main" xmlns:pr="smNativeData" xmlns="smNativeData" val="SMDATA_15_PhJKaRMAAAAlAAAAZAAAAA0AAAAAkAAAAEgAAACQAAAASAAAAAAAAAAAAAAAAAAAAAEAAABQAAAAAAAAAAAA4D8AAAAAAADgPwAAAAAAAOA/AAAAAAAA4D8AAAAAAADgPwAAAAAAAOA/AAAAAAAA4D8AAAAAAADgPwAAAAAAAOA/AAAAAAAA4D8CAAAAjAAAAAAAAAAAAAAAu+DjDP///wgAAAAAAAAAAAAAAAAAAAAAAAAAAAAAAAAAAAAAZAAAAAEAAABAAAAAAAAAAAAAAAAAAAAAAAAAAAAAAAAAAAAAAAAAAAAAAAAAAAAAAAAAAAAAAAAAAAAAAAAAAAAAAAAAAAAAAAAAAAAAAAAAAAAAAAAAAAAAAAAAAAAAFAAAADwAAAAAAAAAAAAAAAAAAAkUAAAAAQAAABQAAAAUAAAAFAAAAAEAAAAAAAAAZAAAAGQAAAAAAAAAZAAAAGQAAAAVAAAAYAAAAAAAAAAAAAAADwAAACADAAAAAAAAAAAAAAEAAACgMgAAVgcAAKr4//8BAAAAf39/AAEAAABkAAAAAAAAABQAAABAHwAAAAAAACYAAAAAAAAAwOD//wAAAAAmAAAAZAAAABYAAABMAAAAAAAAAAAAAAAEAAAAAAAAAAEAAACAgIAKAAAAACgAAAAoAAAAZAAAAGQAAAAAAAAAzMzMAAAAAABQAAAAUAAAAGQAAABkAAAAAAAAABcAAAAUAAAAAAAAAAAAAAD/fwAA/38AAAAAAAAJAAAABAAAAAAAAAAeAAAAaAAAAAAAAAAAAAAAAAAAAAAAAAAAAAAAECcAABAnAAAAAAAAAAAAAAAAAAAAAAAAAAAAAAAAAAAAAAAAAAAAABQAAAAAAAAAwMD/AAAAAABkAAAAMgAAAAAAAABkAAAAAAAAAH9/fwAKAAAAIgAAABgAAAAAAAAAAAAAAAAAAAAAAAAAAAAAAAAAAAAkAAAAJAAAAAAAAAAHAAAAAAAAAAAAAAAAAAAAAAAAAAAAAAAAAAAAf39/ACUAAABYAAAAAAAAAAAAAAAAAAAAAAAAAAAAAAAAAAAAAAAAAAAAAAAAAAAAAAAAAAAAAAA/AAAAAAAAAKCGAQAAAAAAAAAAAAAAAAAMAAAAAQAAAAAAAAAAAAAAAAAAAB8AAABUAAAAAAAABQAAAAEAAAAAAAAAAAAAAAAAAAAAAAAAAAAAAAAAAAAAAAAAAAAAAAJ/f38AAAAAA8zMzADAwP8Af39/AAAAAAAAAAAAAAAAAAAAAAAAAAAAIQAAABgAAAAUAAAAsw4AAMYDAACzOwAAFh0AABAAAAAmAAAACAAAAAGAAAAAAAAA"/>
               </a:ext>
             </a:extLst>
           </p:cNvSpPr>
@@ -2602,7 +2601,6 @@
             </a:lvl9pPr>
           </a:lstStyle>
           <a:p>
-            <a:pPr/>
             <a:r>
               <a:t>Click to edit Master text styles</a:t>
             </a:r>
@@ -2616,7 +2614,7 @@
             <a:spLocks noGrp="1" noChangeArrowheads="1"/>
             <a:extLst>
               <a:ext uri="smNativeData">
-                <pr:smNativeData xmlns:pr="smNativeData" xmlns="smNativeData" val="SMDATA_15_PhJKaRMAAAAlAAAAZAAAAA0AAAAAkAAAAEgAAACQAAAASAAAAAAAAAAAAAAAAAAAAAEAAABQAAAAAAAAAAAA4D8AAAAAAADgPwAAAAAAAOA/AAAAAAAA4D8AAAAAAADgPwAAAAAAAOA/AAAAAAAA4D8AAAAAAADgPwAAAAAAAOA/AAAAAAAA4D8CAAAAjAAAAAAAAAAAAAAAu+DjDP///wgAAAAAAAAAAAAAAAAAAAAAAAAAAAAAAAAAAAAAZAAAAAEAAABAAAAAAAAAAAAAAAAAAAAAAAAAAAAAAAAAAAAAAAAAAAAAAAAAAAAAAAAAAAAAAAAAAAAAAAAAAAAAAAAAAAAAAAAAAAAAAAAAAAAAAAAAAAAAAAAAAAAAFAAAADwAAAAAAAAAAAAAAAAAAAkUAAAAAQAAABQAAAAUAAAAFAAAAAEAAAAAAAAAZAAAAGQAAAAAAAAAZAAAAGQAAAAVAAAAYAAAAAAAAAAAAAAADwAAACADAAAAAAAAAAAAAAEAAACgMgAAVgcAAKr4//8BAAAAf39/AAEAAABkAAAAAAAAABQAAABAHwAAAAAAACYAAAAAAAAAwOD//wAAAAAmAAAAZAAAABYAAABMAAAAAAAAAAAAAAAEAAAAAAAAAAEAAACAgIAKAAAAACgAAAAoAAAAZAAAAGQAAAAAAAAAzMzMAAAAAABQAAAAUAAAAGQAAABkAAAAAAAAABcAAAAUAAAAAAAAAAAAAAD/fwAA/38AAAAAAAAJAAAABAAAAAAAAAAeAAAAaAAAAAAAAAAAAAAAAAAAAAAAAAAAAAAAECcAABAnAAAAAAAAAAAAAAAAAAAAAAAAAAAAAAAAAAAAAAAAAAAAABQAAAAAAAAAwMD/AAAAAABkAAAAMgAAAAAAAABkAAAAAAAAAH9/fwAKAAAAIgAAABgAAAAAAAAAAAAAAAAAAAAAAAAAAAAAAAAAAAAkAAAAJAAAAAAAAAAHAAAAAAAAAAAAAAAAAAAAAAAAAAAAAAAAAAAAf39/ACUAAABYAAAAAAAAAAAAAAAAAAAAAAAAAAAAAAAAAAAAAAAAAAAAAAAAAAAAAAAAAAAAAAA/AAAAAAAAAKCGAQAAAAAAAAAAAAAAAAAMAAAAAQAAAAAAAAAAAAAAAAAAAB8AAABUAAAAAAAABQAAAAEAAAAAAAAAAAAAAAAAAAAAAAAAAAAAAAAAAAAAAAAAAAAAAAJ/f38AAAAAA8zMzADAwP8Af39/AAAAAAAAAAAAAAAAAAAAAAAAAAAAIQAAABgAAAAUAAAAsw4AAAQhAACzOwAA+CUAABAAAAAmAAAACAAAAAGAAAAAAAAA"/>
+                <pr:smNativeData xmlns:mc="http://schemas.openxmlformats.org/markup-compatibility/2006" xmlns:p14="http://schemas.microsoft.com/office/powerpoint/2010/main" xmlns:p15="http://schemas.microsoft.com/office/powerpoint/2012/main" xmlns:pr="smNativeData" xmlns="smNativeData" val="SMDATA_15_PhJKaRMAAAAlAAAAZAAAAA0AAAAAkAAAAEgAAACQAAAASAAAAAAAAAAAAAAAAAAAAAEAAABQAAAAAAAAAAAA4D8AAAAAAADgPwAAAAAAAOA/AAAAAAAA4D8AAAAAAADgPwAAAAAAAOA/AAAAAAAA4D8AAAAAAADgPwAAAAAAAOA/AAAAAAAA4D8CAAAAjAAAAAAAAAAAAAAAu+DjDP///wgAAAAAAAAAAAAAAAAAAAAAAAAAAAAAAAAAAAAAZAAAAAEAAABAAAAAAAAAAAAAAAAAAAAAAAAAAAAAAAAAAAAAAAAAAAAAAAAAAAAAAAAAAAAAAAAAAAAAAAAAAAAAAAAAAAAAAAAAAAAAAAAAAAAAAAAAAAAAAAAAAAAAFAAAADwAAAAAAAAAAAAAAAAAAAkUAAAAAQAAABQAAAAUAAAAFAAAAAEAAAAAAAAAZAAAAGQAAAAAAAAAZAAAAGQAAAAVAAAAYAAAAAAAAAAAAAAADwAAACADAAAAAAAAAAAAAAEAAACgMgAAVgcAAKr4//8BAAAAf39/AAEAAABkAAAAAAAAABQAAABAHwAAAAAAACYAAAAAAAAAwOD//wAAAAAmAAAAZAAAABYAAABMAAAAAAAAAAAAAAAEAAAAAAAAAAEAAACAgIAKAAAAACgAAAAoAAAAZAAAAGQAAAAAAAAAzMzMAAAAAABQAAAAUAAAAGQAAABkAAAAAAAAABcAAAAUAAAAAAAAAAAAAAD/fwAA/38AAAAAAAAJAAAABAAAAAAAAAAeAAAAaAAAAAAAAAAAAAAAAAAAAAAAAAAAAAAAECcAABAnAAAAAAAAAAAAAAAAAAAAAAAAAAAAAAAAAAAAAAAAAAAAABQAAAAAAAAAwMD/AAAAAABkAAAAMgAAAAAAAABkAAAAAAAAAH9/fwAKAAAAIgAAABgAAAAAAAAAAAAAAAAAAAAAAAAAAAAAAAAAAAAkAAAAJAAAAAAAAAAHAAAAAAAAAAAAAAAAAAAAAAAAAAAAAAAAAAAAf39/ACUAAABYAAAAAAAAAAAAAAAAAAAAAAAAAAAAAAAAAAAAAAAAAAAAAAAAAAAAAAAAAAAAAAA/AAAAAAAAAKCGAQAAAAAAAAAAAAAAAAAMAAAAAQAAAAAAAAAAAAAAAAAAAB8AAABUAAAAAAAABQAAAAEAAAAAAAAAAAAAAAAAAAAAAAAAAAAAAAAAAAAAAAAAAAAAAAJ/f38AAAAAA8zMzADAwP8Af39/AAAAAAAAAAAAAAAAAAAAAAAAAAAAIQAAABgAAAAUAAAAsw4AAAQhAACzOwAA+CUAABAAAAAmAAAACAAAAAGAAAAAAAAA"/>
               </a:ext>
             </a:extLst>
           </p:cNvSpPr>
@@ -2671,7 +2669,6 @@
             </a:lvl9pPr>
           </a:lstStyle>
           <a:p>
-            <a:pPr/>
             <a:r>
               <a:t>Click to edit Master text styles</a:t>
             </a:r>
@@ -2685,7 +2682,7 @@
             <a:spLocks noGrp="1" noChangeArrowheads="1"/>
             <a:extLst>
               <a:ext uri="smNativeData">
-                <pr:smNativeData xmlns:pr="smNativeData" xmlns="smNativeData" val="SMDATA_15_PhJKaRMAAAAlAAAAZAAAAA0AAAAAkAAAAEgAAACQAAAASAAAAAAAAAABAAAAAAAAAAEAAABQAAAAAAAAAAAA4D8AAAAAAADgPwAAAAAAAOA/AAAAAAAA4D8AAAAAAADgPwAAAAAAAOA/AAAAAAAA4D8AAAAAAADgPwAAAAAAAOA/AAAAAAAA4D8CAAAAjAAAAAAAAAAAAAAAu+DjDP///wgAAAAAAAAAAAAAAAAAAAAAAAAAAAAAAAAAAAAAZAAAAAEAAABAAAAAAAAAAAAAAAAAAAAAAAAAAAAAAAAAAAAAAAAAAAAAAAAAAAAAAAAAAAAAAAAAAAAAAAAAAAAAAAAAAAAAAAAAAAAAAAAAAAAAAAAAAAAAAAAAAAAAFAAAADwAAAAAAAAAAAAAAAAAAAkUAAAAAQAAABQAAAAUAAAAFAAAAAEAAAAAAAAAZAAAAGQAAAAAAAAAZAAAAGQAAAAVAAAAYAAAAAAAAAAAAAAADwAAACADAAAAAAAAAAAAAAEAAACgMgAAVgcAAKr4//8BAAAAf39/AAEAAABkAAAAAAAAABQAAABAHwAAAAAAACYAAAAAAAAAwOD//wAAAAAmAAAAZAAAABYAAABMAAAAAAAAAAAAAAAEAAAAAAAAAAEAAACAgIAKAAAAACgAAAAoAAAAZAAAAGQAAAAAAAAAzMzMAAAAAABQAAAAUAAAAGQAAABkAAAAAAAAABcAAAAUAAAAAAAAAAAAAAD/fwAA/38AAAAAAAAJAAAABAAAAAAAAAAeAAAAaAAAAAAAAAAAAAAAAAAAAAAAAAAAAAAAECcAABAnAAAAAAAAAAAAAAAAAAAAAAAAAAAAAAAAAAAAAAAAAAAAABQAAAAAAAAAwMD/AAAAAABkAAAAMgAAAAAAAABkAAAAAAAAAH9/fwAKAAAAIgAAABgAAAAAAAAAAAAAAAAAAAAAAAAAAAAAAAAAAAAkAAAAJAAAAAAAAAAHAAAAAAAAAAAAAAAAAAAAAAAAAAAAAAAAAAAAf39/ACUAAABYAAAAAAAAAAAAAAAAAAAAAAAAAAAAAAAAAAAAAAAAAAAAAAAAAAAAAAAAAAAAAAA/AAAAAAAAAKCGAQAAAAAAAAAAAAAAAAAMAAAAAQAAAAAAAAAAAAAAAAAAAB8AAABUAAAAAAAABQAAAAEAAAAAAAAAAAAAAAAAAAAAAAAAAAAAAAAAAAAAAAAAAAAAAAJ/f38AAAAAA8zMzADAwP8Af39/AAAAAAAAAAAAAAAAAAAAAAAAAAAAIQAAABgAAAAUAAAAwAMAABsnAAA/FQAAWSkAABAAAAAmAAAACAAAAAAAAAAAAAAA"/>
+                <pr:smNativeData xmlns:mc="http://schemas.openxmlformats.org/markup-compatibility/2006" xmlns:p14="http://schemas.microsoft.com/office/powerpoint/2010/main" xmlns:p15="http://schemas.microsoft.com/office/powerpoint/2012/main" xmlns:pr="smNativeData" xmlns="smNativeData" val="SMDATA_15_PhJKaRMAAAAlAAAAZAAAAA0AAAAAkAAAAEgAAACQAAAASAAAAAAAAAABAAAAAAAAAAEAAABQAAAAAAAAAAAA4D8AAAAAAADgPwAAAAAAAOA/AAAAAAAA4D8AAAAAAADgPwAAAAAAAOA/AAAAAAAA4D8AAAAAAADgPwAAAAAAAOA/AAAAAAAA4D8CAAAAjAAAAAAAAAAAAAAAu+DjDP///wgAAAAAAAAAAAAAAAAAAAAAAAAAAAAAAAAAAAAAZAAAAAEAAABAAAAAAAAAAAAAAAAAAAAAAAAAAAAAAAAAAAAAAAAAAAAAAAAAAAAAAAAAAAAAAAAAAAAAAAAAAAAAAAAAAAAAAAAAAAAAAAAAAAAAAAAAAAAAAAAAAAAAFAAAADwAAAAAAAAAAAAAAAAAAAkUAAAAAQAAABQAAAAUAAAAFAAAAAEAAAAAAAAAZAAAAGQAAAAAAAAAZAAAAGQAAAAVAAAAYAAAAAAAAAAAAAAADwAAACADAAAAAAAAAAAAAAEAAACgMgAAVgcAAKr4//8BAAAAf39/AAEAAABkAAAAAAAAABQAAABAHwAAAAAAACYAAAAAAAAAwOD//wAAAAAmAAAAZAAAABYAAABMAAAAAAAAAAAAAAAEAAAAAAAAAAEAAACAgIAKAAAAACgAAAAoAAAAZAAAAGQAAAAAAAAAzMzMAAAAAABQAAAAUAAAAGQAAABkAAAAAAAAABcAAAAUAAAAAAAAAAAAAAD/fwAA/38AAAAAAAAJAAAABAAAAAAAAAAeAAAAaAAAAAAAAAAAAAAAAAAAAAAAAAAAAAAAECcAABAnAAAAAAAAAAAAAAAAAAAAAAAAAAAAAAAAAAAAAAAAAAAAABQAAAAAAAAAwMD/AAAAAABkAAAAMgAAAAAAAABkAAAAAAAAAH9/fwAKAAAAIgAAABgAAAAAAAAAAAAAAAAAAAAAAAAAAAAAAAAAAAAkAAAAJAAAAAAAAAAHAAAAAAAAAAAAAAAAAAAAAAAAAAAAAAAAAAAAf39/ACUAAABYAAAAAAAAAAAAAAAAAAAAAAAAAAAAAAAAAAAAAAAAAAAAAAAAAAAAAAAAAAAAAAA/AAAAAAAAAKCGAQAAAAAAAAAAAAAAAAAMAAAAAQAAAAAAAAAAAAAAAAAAAB8AAABUAAAAAAAABQAAAAEAAAAAAAAAAAAAAAAAAAAAAAAAAAAAAAAAAAAAAAAAAAAAAAJ/f38AAAAAA8zMzADAwP8Af39/AAAAAAAAAAAAAAAAAAAAAAAAAAAAIQAAABgAAAAUAAAAwAMAABsnAAA/FQAAWSkAABAAAAAmAAAACAAAAAAAAAAAAAAA"/>
               </a:ext>
             </a:extLst>
           </p:cNvSpPr>
@@ -2698,10 +2695,10 @@
           <a:bodyPr/>
           <a:lstStyle/>
           <a:p>
-            <a:pPr/>
             <a:fld id="{0CA7E338-76E1-F215-AF1F-8040AD5159D5}" type="datetime1">
-              <a:t>12/16/2025</a:t>
+              <a:t>12/29/2025</a:t>
             </a:fld>
+            <a:endParaRPr/>
           </a:p>
         </p:txBody>
       </p:sp>
@@ -2712,7 +2709,7 @@
             <a:spLocks noGrp="1" noChangeArrowheads="1"/>
             <a:extLst>
               <a:ext uri="smNativeData">
-                <pr:smNativeData xmlns:pr="smNativeData" xmlns="smNativeData" val="SMDATA_15_PhJKaRMAAAAlAAAAZAAAAA0AAAAAkAAAAEgAAACQAAAASAAAAAAAAAABAAAAAAAAAAEAAABQAAAAAAAAAAAA4D8AAAAAAADgPwAAAAAAAOA/AAAAAAAA4D8AAAAAAADgPwAAAAAAAOA/AAAAAAAA4D8AAAAAAADgPwAAAAAAAOA/AAAAAAAA4D8CAAAAjAAAAAAAAAAAAAAAu+DjDP///wgAAAAAAAAAAAAAAAAAAAAAAAAAAAAAAAAAAAAAZAAAAAEAAABAAAAAAAAAAAAAAAAAAAAAAAAAAAAAAAAAAAAAAAAAAAAAAAAAAAAAAAAAAAAAAAAAAAAAAAAAAAAAAAAAAAAAAAAAAAAAAAAAAAAAAAAAAAAAAAAAAAAAFAAAADwAAAAAAAAAAAAAAAAAAAkUAAAAAQAAABQAAAAUAAAAFAAAAAEAAAAAAAAAZAAAAGQAAAAAAAAAZAAAAGQAAAAVAAAAYAAAAAAAAAAAAAAADwAAACADAAAAAAAAAAAAAAEAAACgMgAAVgcAAKr4//8BAAAAf39/AAEAAABkAAAAAAAAABQAAABAHwAAAAAAACYAAAAAAAAAwOD//wAAAAAmAAAAZAAAABYAAABMAAAAAAAAAAAAAAAEAAAAAAAAAAEAAACAgIAKAAAAACgAAAAoAAAAZAAAAGQAAAAAAAAAzMzMAAAAAABQAAAAUAAAAGQAAABkAAAAAAAAABcAAAAUAAAAAAAAAAAAAAD/fwAA/38AAAAAAAAJAAAABAAAAAAAAAAeAAAAaAAAAAAAAAAAAAAAAAAAAAAAAAAAAAAAECcAABAnAAAAAAAAAAAAAAAAAAAAAAAAAAAAAAAAAAAAAAAAAAAAABQAAAAAAAAAwMD/AAAAAABkAAAAMgAAAAAAAABkAAAAAAAAAH9/fwAKAAAAIgAAABgAAAAAAAAAAAAAAAAAAAAAAAAAAAAAAAAAAAAkAAAAJAAAAAAAAAAHAAAAAAAAAAAAAAAAAAAAAAAAAAAAAAAAAAAAf39/ACUAAABYAAAAAAAAAAAAAAAAAAAAAAAAAAAAAAAAAAAAAAAAAAAAAAAAAAAAAAAAAAAAAAA/AAAAAAAAAKCGAQAAAAAAAAAAAAAAAAAMAAAAAQAAAAAAAAAAAAAAAAAAAB8AAABUAAAAAAAABQAAAAEAAAAAAAAAAAAAAAAAAAAAAAAAAAAAAAAAAAAAAAAAAAAAAAJ/f38AAAAAA8zMzADAwP8Af39/AAAAAAAAAAAAAAAAAAAAAAAAAAAAIQAAABgAAAAUAAAAoRkAABsnAABfMQAAWSkAABAAAAAmAAAACAAAAAAAAAAAAAAA"/>
+                <pr:smNativeData xmlns:mc="http://schemas.openxmlformats.org/markup-compatibility/2006" xmlns:p14="http://schemas.microsoft.com/office/powerpoint/2010/main" xmlns:p15="http://schemas.microsoft.com/office/powerpoint/2012/main" xmlns:pr="smNativeData" xmlns="smNativeData" val="SMDATA_15_PhJKaRMAAAAlAAAAZAAAAA0AAAAAkAAAAEgAAACQAAAASAAAAAAAAAABAAAAAAAAAAEAAABQAAAAAAAAAAAA4D8AAAAAAADgPwAAAAAAAOA/AAAAAAAA4D8AAAAAAADgPwAAAAAAAOA/AAAAAAAA4D8AAAAAAADgPwAAAAAAAOA/AAAAAAAA4D8CAAAAjAAAAAAAAAAAAAAAu+DjDP///wgAAAAAAAAAAAAAAAAAAAAAAAAAAAAAAAAAAAAAZAAAAAEAAABAAAAAAAAAAAAAAAAAAAAAAAAAAAAAAAAAAAAAAAAAAAAAAAAAAAAAAAAAAAAAAAAAAAAAAAAAAAAAAAAAAAAAAAAAAAAAAAAAAAAAAAAAAAAAAAAAAAAAFAAAADwAAAAAAAAAAAAAAAAAAAkUAAAAAQAAABQAAAAUAAAAFAAAAAEAAAAAAAAAZAAAAGQAAAAAAAAAZAAAAGQAAAAVAAAAYAAAAAAAAAAAAAAADwAAACADAAAAAAAAAAAAAAEAAACgMgAAVgcAAKr4//8BAAAAf39/AAEAAABkAAAAAAAAABQAAABAHwAAAAAAACYAAAAAAAAAwOD//wAAAAAmAAAAZAAAABYAAABMAAAAAAAAAAAAAAAEAAAAAAAAAAEAAACAgIAKAAAAACgAAAAoAAAAZAAAAGQAAAAAAAAAzMzMAAAAAABQAAAAUAAAAGQAAABkAAAAAAAAABcAAAAUAAAAAAAAAAAAAAD/fwAA/38AAAAAAAAJAAAABAAAAAAAAAAeAAAAaAAAAAAAAAAAAAAAAAAAAAAAAAAAAAAAECcAABAnAAAAAAAAAAAAAAAAAAAAAAAAAAAAAAAAAAAAAAAAAAAAABQAAAAAAAAAwMD/AAAAAABkAAAAMgAAAAAAAABkAAAAAAAAAH9/fwAKAAAAIgAAABgAAAAAAAAAAAAAAAAAAAAAAAAAAAAAAAAAAAAkAAAAJAAAAAAAAAAHAAAAAAAAAAAAAAAAAAAAAAAAAAAAAAAAAAAAf39/ACUAAABYAAAAAAAAAAAAAAAAAAAAAAAAAAAAAAAAAAAAAAAAAAAAAAAAAAAAAAAAAAAAAAA/AAAAAAAAAKCGAQAAAAAAAAAAAAAAAAAMAAAAAQAAAAAAAAAAAAAAAAAAAB8AAABUAAAAAAAABQAAAAEAAAAAAAAAAAAAAAAAAAAAAAAAAAAAAAAAAAAAAAAAAAAAAAJ/f38AAAAAA8zMzADAwP8Af39/AAAAAAAAAAAAAAAAAAAAAAAAAAAAIQAAABgAAAAUAAAAoRkAABsnAABfMQAAWSkAABAAAAAmAAAACAAAAAAAAAAAAAAA"/>
               </a:ext>
             </a:extLst>
           </p:cNvSpPr>
@@ -2725,7 +2722,7 @@
           <a:bodyPr/>
           <a:lstStyle/>
           <a:p>
-            <a:pPr/>
+            <a:endParaRPr/>
           </a:p>
         </p:txBody>
       </p:sp>
@@ -2736,7 +2733,7 @@
             <a:spLocks noGrp="1" noChangeArrowheads="1"/>
             <a:extLst>
               <a:ext uri="smNativeData">
-                <pr:smNativeData xmlns:pr="smNativeData" xmlns="smNativeData" val="SMDATA_15_PhJKaRMAAAAlAAAAZAAAAA0AAAAAkAAAAEgAAACQAAAASAAAAAAAAAABAAAAAAAAAAEAAABQAAAAAAAAAAAA4D8AAAAAAADgPwAAAAAAAOA/AAAAAAAA4D8AAAAAAADgPwAAAAAAAOA/AAAAAAAA4D8AAAAAAADgPwAAAAAAAOA/AAAAAAAA4D8CAAAAjAAAAAAAAAAAAAAAu+DjDP///wgAAAAAAAAAAAAAAAAAAAAAAAAAAAAAAAAAAAAAZAAAAAEAAABAAAAAAAAAAAAAAAAAAAAAAAAAAAAAAAAAAAAAAAAAAAAAAAAAAAAAAAAAAAAAAAAAAAAAAAAAAAAAAAAAAAAAAAAAAAAAAAAAAAAAAAAAAAAAAAAAAAAAFAAAADwAAAAAAAAAAAAAAAAAAAkUAAAAAQAAABQAAAAUAAAAFAAAAAEAAAAAAAAAZAAAAGQAAAAAAAAAZAAAAGQAAAAVAAAAYAAAAAAAAAAAAAAADwAAACADAAAAAAAAAAAAAAEAAACgMgAAVgcAAKr4//8BAAAAf39/AAEAAABkAAAAAAAAABQAAABAHwAAAAAAACYAAAAAAAAAwOD//wAAAAAmAAAAZAAAABYAAABMAAAAAAAAAAAAAAAEAAAAAAAAAAEAAACAgIAKAAAAACgAAAAoAAAAZAAAAGQAAAAAAAAAzMzMAAAAAABQAAAAUAAAAGQAAABkAAAAAAAAABcAAAAUAAAAAAAAAAAAAAD/fwAA/38AAAAAAAAJAAAABAAAAAAAAAAeAAAAaAAAAAAAAAAAAAAAAAAAAAAAAAAAAAAAECcAABAnAAAAAAAAAAAAAAAAAAAAAAAAAAAAAAAAAAAAAAAAAAAAABQAAAAAAAAAwMD/AAAAAABkAAAAMgAAAAAAAABkAAAAAAAAAH9/fwAKAAAAIgAAABgAAAAAAAAAAAAAAAAAAAAAAAAAAAAAAAAAAAAkAAAAJAAAAAAAAAAHAAAAAAAAAAAAAAAAAAAAAAAAAAAAAAAAAAAAf39/ACUAAABYAAAAAAAAAAAAAAAAAAAAAAAAAAAAAAAAAAAAAAAAAAAAAAAAAAAAAAAAAAAAAAA/AAAAAAAAAKCGAQAAAAAAAAAAAAAAAAAMAAAAAQAAAAAAAAAAAAAAAAAAAB8AAABUAAAAAAAABQAAAAEAAAAAAAAAAAAAAAAAAAAAAAAAAAAAAAAAAAAAAAAAAAAAAAJ/f38AAAAAA8zMzADAwP8Af39/AAAAAAAAAAAAAAAAAAAAAAAAAAAAIQAAABgAAAAUAAAAwTUAABsnAABARwAAWSkAABAAAAAmAAAACAAAAAAAAAAAAAAA"/>
+                <pr:smNativeData xmlns:mc="http://schemas.openxmlformats.org/markup-compatibility/2006" xmlns:p14="http://schemas.microsoft.com/office/powerpoint/2010/main" xmlns:p15="http://schemas.microsoft.com/office/powerpoint/2012/main" xmlns:pr="smNativeData" xmlns="smNativeData" val="SMDATA_15_PhJKaRMAAAAlAAAAZAAAAA0AAAAAkAAAAEgAAACQAAAASAAAAAAAAAABAAAAAAAAAAEAAABQAAAAAAAAAAAA4D8AAAAAAADgPwAAAAAAAOA/AAAAAAAA4D8AAAAAAADgPwAAAAAAAOA/AAAAAAAA4D8AAAAAAADgPwAAAAAAAOA/AAAAAAAA4D8CAAAAjAAAAAAAAAAAAAAAu+DjDP///wgAAAAAAAAAAAAAAAAAAAAAAAAAAAAAAAAAAAAAZAAAAAEAAABAAAAAAAAAAAAAAAAAAAAAAAAAAAAAAAAAAAAAAAAAAAAAAAAAAAAAAAAAAAAAAAAAAAAAAAAAAAAAAAAAAAAAAAAAAAAAAAAAAAAAAAAAAAAAAAAAAAAAFAAAADwAAAAAAAAAAAAAAAAAAAkUAAAAAQAAABQAAAAUAAAAFAAAAAEAAAAAAAAAZAAAAGQAAAAAAAAAZAAAAGQAAAAVAAAAYAAAAAAAAAAAAAAADwAAACADAAAAAAAAAAAAAAEAAACgMgAAVgcAAKr4//8BAAAAf39/AAEAAABkAAAAAAAAABQAAABAHwAAAAAAACYAAAAAAAAAwOD//wAAAAAmAAAAZAAAABYAAABMAAAAAAAAAAAAAAAEAAAAAAAAAAEAAACAgIAKAAAAACgAAAAoAAAAZAAAAGQAAAAAAAAAzMzMAAAAAABQAAAAUAAAAGQAAABkAAAAAAAAABcAAAAUAAAAAAAAAAAAAAD/fwAA/38AAAAAAAAJAAAABAAAAAAAAAAeAAAAaAAAAAAAAAAAAAAAAAAAAAAAAAAAAAAAECcAABAnAAAAAAAAAAAAAAAAAAAAAAAAAAAAAAAAAAAAAAAAAAAAABQAAAAAAAAAwMD/AAAAAABkAAAAMgAAAAAAAABkAAAAAAAAAH9/fwAKAAAAIgAAABgAAAAAAAAAAAAAAAAAAAAAAAAAAAAAAAAAAAAkAAAAJAAAAAAAAAAHAAAAAAAAAAAAAAAAAAAAAAAAAAAAAAAAAAAAf39/ACUAAABYAAAAAAAAAAAAAAAAAAAAAAAAAAAAAAAAAAAAAAAAAAAAAAAAAAAAAAAAAAAAAAA/AAAAAAAAAKCGAQAAAAAAAAAAAAAAAAAMAAAAAQAAAAAAAAAAAAAAAAAAAB8AAABUAAAAAAAABQAAAAEAAAAAAAAAAAAAAAAAAAAAAAAAAAAAAAAAAAAAAAAAAAAAAAJ/f38AAAAAA8zMzADAwP8Af39/AAAAAAAAAAAAAAAAAAAAAAAAAAAAIQAAABgAAAAUAAAAwTUAABsnAABARwAAWSkAABAAAAAmAAAACAAAAAAAAAAAAAAA"/>
               </a:ext>
             </a:extLst>
           </p:cNvSpPr>
@@ -2749,10 +2746,10 @@
           <a:bodyPr/>
           <a:lstStyle/>
           <a:p>
-            <a:pPr/>
             <a:fld id="{0CA7B2D3-9DE1-F244-AF1F-6B11FC51593E}" type="slidenum">
               <a:t>‹#›</a:t>
             </a:fld>
+            <a:endParaRPr/>
           </a:p>
         </p:txBody>
       </p:sp>
@@ -2766,7 +2763,7 @@
 </file>
 
 <file path=ppt/slideMasters/slideMaster1.xml><?xml version="1.0" encoding="utf-8"?>
-<p:sldMaster xmlns:p="http://schemas.openxmlformats.org/presentationml/2006/main" xmlns:mc="http://schemas.openxmlformats.org/markup-compatibility/2006" xmlns:p14="http://schemas.microsoft.com/office/powerpoint/2010/main" xmlns:p15="http://schemas.microsoft.com/office/powerpoint/2012/main" xmlns:r="http://schemas.openxmlformats.org/officeDocument/2006/relationships" xmlns:a="http://schemas.openxmlformats.org/drawingml/2006/main">
+<p:sldMaster xmlns:a="http://schemas.openxmlformats.org/drawingml/2006/main" xmlns:r="http://schemas.openxmlformats.org/officeDocument/2006/relationships" xmlns:p="http://schemas.openxmlformats.org/presentationml/2006/main">
   <p:cSld name="Default design">
     <p:bg>
       <p:bgPr>
@@ -2797,7 +2794,7 @@
             <a:spLocks noGrp="1" noChangeArrowheads="1"/>
             <a:extLst>
               <a:ext uri="smNativeData">
-                <pr:smNativeData xmlns:pr="smNativeData" xmlns="smNativeData" val="SMDATA_15_PhJKaRMAAAAlAAAAZAAAAA0AAAAAkAAAAEgAAACQAAAASAAAAAAAAAABAAAAAAAAAAEAAABQAAAAAAAAAAAA4D8AAAAAAADgPwAAAAAAAOA/AAAAAAAA4D8AAAAAAADgPwAAAAAAAOA/AAAAAAAA4D8AAAAAAADgPwAAAAAAAOA/AAAAAAAA4D8CAAAAjAAAAAAAAAAAAAAAu+DjDP///wgAAAAAAAAAAAAAAAAAAAAAAAAAAAAAAAAAAAAAZAAAAAEAAABAAAAAAAAAAAAAAAAAAAAAAAAAAAAAAAAAAAAAAAAAAAAAAAAAAAAAAAAAAAAAAAAAAAAAAAAAAAAAAAAAAAAAAAAAAAAAAAAAAAAAAAAAAAAAAAAAAAAAFAAAADwAAAAAAAAAAAAAAAAAAAkUAAAAAQAAABQAAAAUAAAAFAAAAAEAAAAAAAAAZAAAAGQAAAAAAAAAZAAAAGQAAAAVAAAAYAAAAAAAAAAAAAAADwAAACADAAAAAAAAAAAAAAEAAACgMgAAVgcAAKr4//8BAAAAf39/AAEAAABkAAAAAAAAABQAAABAHwAAAAAAACYAAAAAAAAAwOD//wAAAAAmAAAAZAAAABYAAABMAAAAAAAAAAAAAAAEAAAAAAAAAAEAAACAgIAKAAAAACgAAAAoAAAAZAAAAGQAAAAAAAAAzMzMAAAAAABQAAAAUAAAAGQAAABkAAAAAAAAABcAAAAUAAAAAAAAAAAAAAD/fwAA/38AAAAAAAAJAAAABAAAAGxpY2keAAAAaAAAAAAAAAAAAAAAAAAAAAAAAAAAAAAAECcAABAnAAAAAAAAAAAAAAAAAAAAAAAAAAAAAAAAAAAAAAAAAAAAABQAAAAAAAAAwMD/AAAAAABkAAAAMgAAAAAAAABkAAAAAAAAAH9/fwAKAAAAIgAAABgAAAAAAAAAAAAAAAAAAAAAAAAAAAAAAAAAAAAkAAAAJAAAAAAAAAAHAAAAAAAAAAAAAAAAAAAAAAAAAAAAAAAAAAAAf39/ACUAAABYAAAAAAAAAAAAAAAAAAAAAAAAAAAAAAAAAAAAAAAAAAAAAAAAAAAAAAAAAAAAAAA/AAAAAAAAAKCGAQAAAAAAAAAAAAAAAAAMAAAAAQAAAAAAAAAAAAAAAAAAAB8AAABUAAAAAAAABQAAAAEAAAAAAAAAAAAAAAAAAAAAAAAAAAAAAAAAAAAAAAAAAAAAAAJ/f38AAAAAA8zMzADAwP8Af39/AAAAAAAAAAAAAAAAAAAAAAAAAAAAIQAAABgAAAAUAAAAwAMAALABAABARwAAuAgAABAAAAAmAAAACAAAAIMfAAD//8EB"/>
+                <pr:smNativeData xmlns:mc="http://schemas.openxmlformats.org/markup-compatibility/2006" xmlns:p14="http://schemas.microsoft.com/office/powerpoint/2010/main" xmlns:p15="http://schemas.microsoft.com/office/powerpoint/2012/main" xmlns:pr="smNativeData" xmlns="smNativeData" val="SMDATA_15_PhJKaRMAAAAlAAAAZAAAAA0AAAAAkAAAAEgAAACQAAAASAAAAAAAAAABAAAAAAAAAAEAAABQAAAAAAAAAAAA4D8AAAAAAADgPwAAAAAAAOA/AAAAAAAA4D8AAAAAAADgPwAAAAAAAOA/AAAAAAAA4D8AAAAAAADgPwAAAAAAAOA/AAAAAAAA4D8CAAAAjAAAAAAAAAAAAAAAu+DjDP///wgAAAAAAAAAAAAAAAAAAAAAAAAAAAAAAAAAAAAAZAAAAAEAAABAAAAAAAAAAAAAAAAAAAAAAAAAAAAAAAAAAAAAAAAAAAAAAAAAAAAAAAAAAAAAAAAAAAAAAAAAAAAAAAAAAAAAAAAAAAAAAAAAAAAAAAAAAAAAAAAAAAAAFAAAADwAAAAAAAAAAAAAAAAAAAkUAAAAAQAAABQAAAAUAAAAFAAAAAEAAAAAAAAAZAAAAGQAAAAAAAAAZAAAAGQAAAAVAAAAYAAAAAAAAAAAAAAADwAAACADAAAAAAAAAAAAAAEAAACgMgAAVgcAAKr4//8BAAAAf39/AAEAAABkAAAAAAAAABQAAABAHwAAAAAAACYAAAAAAAAAwOD//wAAAAAmAAAAZAAAABYAAABMAAAAAAAAAAAAAAAEAAAAAAAAAAEAAACAgIAKAAAAACgAAAAoAAAAZAAAAGQAAAAAAAAAzMzMAAAAAABQAAAAUAAAAGQAAABkAAAAAAAAABcAAAAUAAAAAAAAAAAAAAD/fwAA/38AAAAAAAAJAAAABAAAAGxpY2keAAAAaAAAAAAAAAAAAAAAAAAAAAAAAAAAAAAAECcAABAnAAAAAAAAAAAAAAAAAAAAAAAAAAAAAAAAAAAAAAAAAAAAABQAAAAAAAAAwMD/AAAAAABkAAAAMgAAAAAAAABkAAAAAAAAAH9/fwAKAAAAIgAAABgAAAAAAAAAAAAAAAAAAAAAAAAAAAAAAAAAAAAkAAAAJAAAAAAAAAAHAAAAAAAAAAAAAAAAAAAAAAAAAAAAAAAAAAAAf39/ACUAAABYAAAAAAAAAAAAAAAAAAAAAAAAAAAAAAAAAAAAAAAAAAAAAAAAAAAAAAAAAAAAAAA/AAAAAAAAAKCGAQAAAAAAAAAAAAAAAAAMAAAAAQAAAAAAAAAAAAAAAAAAAB8AAABUAAAAAAAABQAAAAEAAAAAAAAAAAAAAAAAAAAAAAAAAAAAAAAAAAAAAAAAAAAAAAJ/f38AAAAAA8zMzADAwP8Af39/AAAAAAAAAAAAAAAAAAAAAAAAAAAAIQAAABgAAAAUAAAAwAMAALABAABARwAAuAgAABAAAAAmAAAACAAAAIMfAAD//8EB"/>
               </a:ext>
             </a:extLst>
           </p:cNvSpPr>
@@ -2827,7 +2824,6 @@
           </a:bodyPr>
           <a:lstStyle/>
           <a:p>
-            <a:pPr/>
             <a:r>
               <a:t>Click to edit Master title style</a:t>
             </a:r>
@@ -2841,7 +2837,7 @@
             <a:spLocks noGrp="1" noChangeArrowheads="1"/>
             <a:extLst>
               <a:ext uri="smNativeData">
-                <pr:smNativeData xmlns:pr="smNativeData" xmlns="smNativeData" val="SMDATA_15_PhJKaRMAAAAlAAAAZAAAAA0AAAAAkAAAAEgAAACQAAAASAAAAAAAAAAAAAAAAAAAAAEAAABQAAAAAAAAAAAA4D8AAAAAAADgPwAAAAAAAOA/AAAAAAAA4D8AAAAAAADgPwAAAAAAAOA/AAAAAAAA4D8AAAAAAADgPwAAAAAAAOA/AAAAAAAA4D8CAAAAjAAAAAAAAAAAAAAAu+DjDP///wgAAAAAAAAAAAAAAAAAAAAAAAAAAAAAAAAAAAAAZAAAAAEAAABAAAAAAAAAAAAAAAAAAAAAAAAAAAAAAAAAAAAAAAAAAAAAAAAAAAAAAAAAAAAAAAAAAAAAAAAAAAAAAAAAAAAAAAAAAAAAAAAAAAAAAAAAAAAAAAAAAAAAFAAAADwAAAAAAAAAAAAAAAAAAAkUAAAAAQAAABQAAAAUAAAAFAAAAAEAAAAAAAAAZAAAAGQAAAAAAAAAZAAAAGQAAAAVAAAAYAAAAAAAAAAAAAAADwAAACADAAAAAAAAAAAAAAEAAACgMgAAVgcAAKr4//8BAAAAf39/AAEAAABkAAAAAAAAABQAAABAHwAAAAAAACYAAAAAAAAAwOD//wAAAAAmAAAAZAAAABYAAABMAAAAAAAAAAAAAAAEAAAAAAAAAAEAAACAgIAKAAAAACgAAAAoAAAAZAAAAGQAAAAAAAAAzMzMAAAAAABQAAAAUAAAAGQAAABkAAAAAAAAABcAAAAUAAAAAAAAAAAAAAD/fwAA/38AAAAAAAAJAAAABAAAAGxpY2keAAAAaAAAAAAAAAAAAAAAAAAAAAAAAAAAAAAAECcAABAnAAAAAAAAAAAAAAAAAAAAAAAAAAAAAAAAAAAAAAAAAAAAABQAAAAAAAAAwMD/AAAAAABkAAAAMgAAAAAAAABkAAAAAAAAAH9/fwAKAAAAIgAAABgAAAAAAAAAAAAAAAAAAAAAAAAAAAAAAAAAAAAkAAAAJAAAAAAAAAAHAAAAAAAAAAAAAAAAAAAAAAAAAAAAAAAAAAAAf39/ACUAAABYAAAAAAAAAAAAAAAAAAAAAAAAAAAAAAAAAAAAAAAAAAAAAAAAAAAAAAAAAAAAAAA/AAAAAAAAAKCGAQAAAAAAAAAAAAAAAAAMAAAAAQAAAAAAAAAAAAAAAAAAAB8AAABUAAAAAAAABQAAAAEAAAAAAAAAAAAAAAAAAAAAAAAAAAAAAAAAAAAAAAAAAAAAAAJ/f38AAAAAA8zMzADAwP8Af39/AAAAAAAAAAAAAAAAAAAAAAAAAAAAIQAAABgAAAAUAAAAwAMAANgJAABARwAAsCUAABAAAAAmAAAACAAAAIMfAAD//8EB"/>
+                <pr:smNativeData xmlns:mc="http://schemas.openxmlformats.org/markup-compatibility/2006" xmlns:p14="http://schemas.microsoft.com/office/powerpoint/2010/main" xmlns:p15="http://schemas.microsoft.com/office/powerpoint/2012/main" xmlns:pr="smNativeData" xmlns="smNativeData" val="SMDATA_15_PhJKaRMAAAAlAAAAZAAAAA0AAAAAkAAAAEgAAACQAAAASAAAAAAAAAAAAAAAAAAAAAEAAABQAAAAAAAAAAAA4D8AAAAAAADgPwAAAAAAAOA/AAAAAAAA4D8AAAAAAADgPwAAAAAAAOA/AAAAAAAA4D8AAAAAAADgPwAAAAAAAOA/AAAAAAAA4D8CAAAAjAAAAAAAAAAAAAAAu+DjDP///wgAAAAAAAAAAAAAAAAAAAAAAAAAAAAAAAAAAAAAZAAAAAEAAABAAAAAAAAAAAAAAAAAAAAAAAAAAAAAAAAAAAAAAAAAAAAAAAAAAAAAAAAAAAAAAAAAAAAAAAAAAAAAAAAAAAAAAAAAAAAAAAAAAAAAAAAAAAAAAAAAAAAAFAAAADwAAAAAAAAAAAAAAAAAAAkUAAAAAQAAABQAAAAUAAAAFAAAAAEAAAAAAAAAZAAAAGQAAAAAAAAAZAAAAGQAAAAVAAAAYAAAAAAAAAAAAAAADwAAACADAAAAAAAAAAAAAAEAAACgMgAAVgcAAKr4//8BAAAAf39/AAEAAABkAAAAAAAAABQAAABAHwAAAAAAACYAAAAAAAAAwOD//wAAAAAmAAAAZAAAABYAAABMAAAAAAAAAAAAAAAEAAAAAAAAAAEAAACAgIAKAAAAACgAAAAoAAAAZAAAAGQAAAAAAAAAzMzMAAAAAABQAAAAUAAAAGQAAABkAAAAAAAAABcAAAAUAAAAAAAAAAAAAAD/fwAA/38AAAAAAAAJAAAABAAAAGxpY2keAAAAaAAAAAAAAAAAAAAAAAAAAAAAAAAAAAAAECcAABAnAAAAAAAAAAAAAAAAAAAAAAAAAAAAAAAAAAAAAAAAAAAAABQAAAAAAAAAwMD/AAAAAABkAAAAMgAAAAAAAABkAAAAAAAAAH9/fwAKAAAAIgAAABgAAAAAAAAAAAAAAAAAAAAAAAAAAAAAAAAAAAAkAAAAJAAAAAAAAAAHAAAAAAAAAAAAAAAAAAAAAAAAAAAAAAAAAAAAf39/ACUAAABYAAAAAAAAAAAAAAAAAAAAAAAAAAAAAAAAAAAAAAAAAAAAAAAAAAAAAAAAAAAAAAA/AAAAAAAAAKCGAQAAAAAAAAAAAAAAAAAMAAAAAQAAAAAAAAAAAAAAAAAAAB8AAABUAAAAAAAABQAAAAEAAAAAAAAAAAAAAAAAAAAAAAAAAAAAAAAAAAAAAAAAAAAAAAJ/f38AAAAAA8zMzADAwP8Af39/AAAAAAAAAAAAAAAAAAAAAAAAAAAAIQAAABgAAAAUAAAAwAMAANgJAABARwAAsCUAABAAAAAmAAAACAAAAIMfAAD//8EB"/>
               </a:ext>
             </a:extLst>
           </p:cNvSpPr>
@@ -2871,7 +2867,6 @@
           </a:bodyPr>
           <a:lstStyle/>
           <a:p>
-            <a:pPr/>
             <a:r>
               <a:t>Click to edit Master text styles</a:t>
             </a:r>
@@ -2909,7 +2904,7 @@
             <a:spLocks noGrp="1" noChangeArrowheads="1"/>
             <a:extLst>
               <a:ext uri="smNativeData">
-                <pr:smNativeData xmlns:pr="smNativeData" xmlns="smNativeData" val="SMDATA_15_PhJKaRMAAAAlAAAAZAAAAA0AAAAAkAAAAEgAAACQAAAASAAAAAAAAAABAAAAAAAAAAEAAABQAAAAAAAAAAAA4D8AAAAAAADgPwAAAAAAAOA/AAAAAAAA4D8AAAAAAADgPwAAAAAAAOA/AAAAAAAA4D8AAAAAAADgPwAAAAAAAOA/AAAAAAAA4D8CAAAAjAAAAAAAAAAAAAAAu+DjDP///wgAAAAAAAAAAAAAAAAAAAAAAAAAAAAAAAAAAAAAZAAAAAEAAABAAAAAAAAAAAAAAAAAAAAAAAAAAAAAAAAAAAAAAAAAAAAAAAAAAAAAAAAAAAAAAAAAAAAAAAAAAAAAAAAAAAAAAAAAAAAAAAAAAAAAAAAAAAAAAAAAAAAAFAAAADwAAAAAAAAAAAAAAAAAAAkUAAAAAQAAABQAAAAUAAAAFAAAAAEAAAAAAAAAZAAAAGQAAAAAAAAAZAAAAGQAAAAVAAAAYAAAAAAAAAAAAAAADwAAACADAAAAAAAAAAAAAAEAAACgMgAAVgcAAKr4//8BAAAAf39/AAEAAABkAAAAAAAAABQAAABAHwAAAAAAACYAAAAAAAAAwOD//wAAAAAmAAAAZAAAABYAAABMAAAAAAAAAAAAAAAEAAAAAAAAAAEAAACAgIAKAAAAACgAAAAoAAAAZAAAAGQAAAAAAAAAzMzMAAAAAABQAAAAUAAAAGQAAABkAAAAAAAAABcAAAAUAAAAAAAAAAAAAAD/fwAA/38AAAAAAAAJAAAABAAAAE1hc3QeAAAAaAAAAAAAAAAAAAAAAAAAAAAAAAAAAAAAECcAABAnAAAAAAAAAAAAAAAAAAAAAAAAAAAAAAAAAAAAAAAAAAAAABQAAAAAAAAAwMD/AAAAAABkAAAAMgAAAAAAAABkAAAAAAAAAH9/fwAKAAAAIgAAABgAAAAAAAAAAAAAAAAAAAAAAAAAAAAAAAAAAAAkAAAAJAAAAAAAAAAHAAAAAAAAAAAAAAAAAAAAAAAAAAAAAAAAAAAAf39/ACUAAABYAAAAAAAAAAAAAAAAAAAAAAAAAAAAAAAAAAAAAAAAAAAAAAAAAAAAAAAAAAAAAAA/AAAAAAAAAKCGAQAAAAAAAAAAAAAAAAAMAAAAAQAAAAAAAAAAAAAAAAAAAB8AAABUAAAAAAAABQAAAAEAAAAAAAAAAAAAAAAAAAAAAAAAAAAAAAAAAAAAAAAAAAAAAAJ/f38AAAAAA8zMzADAwP8Af39/AAAAAAAAAAAAAAAAAAAAAAAAAAAAIQAAABgAAAAUAAAAwAMAABsnAAA/FQAAWSkAABAAAAAmAAAACAAAAIOfAAD//8EB"/>
+                <pr:smNativeData xmlns:mc="http://schemas.openxmlformats.org/markup-compatibility/2006" xmlns:p14="http://schemas.microsoft.com/office/powerpoint/2010/main" xmlns:p15="http://schemas.microsoft.com/office/powerpoint/2012/main" xmlns:pr="smNativeData" xmlns="smNativeData" val="SMDATA_15_PhJKaRMAAAAlAAAAZAAAAA0AAAAAkAAAAEgAAACQAAAASAAAAAAAAAABAAAAAAAAAAEAAABQAAAAAAAAAAAA4D8AAAAAAADgPwAAAAAAAOA/AAAAAAAA4D8AAAAAAADgPwAAAAAAAOA/AAAAAAAA4D8AAAAAAADgPwAAAAAAAOA/AAAAAAAA4D8CAAAAjAAAAAAAAAAAAAAAu+DjDP///wgAAAAAAAAAAAAAAAAAAAAAAAAAAAAAAAAAAAAAZAAAAAEAAABAAAAAAAAAAAAAAAAAAAAAAAAAAAAAAAAAAAAAAAAAAAAAAAAAAAAAAAAAAAAAAAAAAAAAAAAAAAAAAAAAAAAAAAAAAAAAAAAAAAAAAAAAAAAAAAAAAAAAFAAAADwAAAAAAAAAAAAAAAAAAAkUAAAAAQAAABQAAAAUAAAAFAAAAAEAAAAAAAAAZAAAAGQAAAAAAAAAZAAAAGQAAAAVAAAAYAAAAAAAAAAAAAAADwAAACADAAAAAAAAAAAAAAEAAACgMgAAVgcAAKr4//8BAAAAf39/AAEAAABkAAAAAAAAABQAAABAHwAAAAAAACYAAAAAAAAAwOD//wAAAAAmAAAAZAAAABYAAABMAAAAAAAAAAAAAAAEAAAAAAAAAAEAAACAgIAKAAAAACgAAAAoAAAAZAAAAGQAAAAAAAAAzMzMAAAAAABQAAAAUAAAAGQAAABkAAAAAAAAABcAAAAUAAAAAAAAAAAAAAD/fwAA/38AAAAAAAAJAAAABAAAAE1hc3QeAAAAaAAAAAAAAAAAAAAAAAAAAAAAAAAAAAAAECcAABAnAAAAAAAAAAAAAAAAAAAAAAAAAAAAAAAAAAAAAAAAAAAAABQAAAAAAAAAwMD/AAAAAABkAAAAMgAAAAAAAABkAAAAAAAAAH9/fwAKAAAAIgAAABgAAAAAAAAAAAAAAAAAAAAAAAAAAAAAAAAAAAAkAAAAJAAAAAAAAAAHAAAAAAAAAAAAAAAAAAAAAAAAAAAAAAAAAAAAf39/ACUAAABYAAAAAAAAAAAAAAAAAAAAAAAAAAAAAAAAAAAAAAAAAAAAAAAAAAAAAAAAAAAAAAA/AAAAAAAAAKCGAQAAAAAAAAAAAAAAAAAMAAAAAQAAAAAAAAAAAAAAAAAAAB8AAABUAAAAAAAABQAAAAEAAAAAAAAAAAAAAAAAAAAAAAAAAAAAAAAAAAAAAAAAAAAAAAJ/f38AAAAAA8zMzADAwP8Af39/AAAAAAAAAAAAAAAAAAAAAAAAAAAAIQAAABgAAAAUAAAAwAMAABsnAAA/FQAAWSkAABAAAAAmAAAACAAAAIOfAAD//8EB"/>
               </a:ext>
             </a:extLst>
           </p:cNvSpPr>
@@ -2943,10 +2938,10 @@
             </a:lvl1pPr>
           </a:lstStyle>
           <a:p>
-            <a:pPr/>
             <a:fld id="{0CA7B237-79E1-F244-AF1F-8F11FC5159DA}" type="datetime1">
-              <a:t/>
+              <a:t>12/29/2025</a:t>
             </a:fld>
+            <a:endParaRPr/>
           </a:p>
         </p:txBody>
       </p:sp>
@@ -2957,7 +2952,7 @@
             <a:spLocks noGrp="1" noChangeArrowheads="1"/>
             <a:extLst>
               <a:ext uri="smNativeData">
-                <pr:smNativeData xmlns:pr="smNativeData" xmlns="smNativeData" val="SMDATA_15_PhJKaRMAAAAlAAAAZAAAAA0AAAAAkAAAAEgAAACQAAAASAAAAAAAAAABAAAAAAAAAAEAAABQAAAAAAAAAAAA4D8AAAAAAADgPwAAAAAAAOA/AAAAAAAA4D8AAAAAAADgPwAAAAAAAOA/AAAAAAAA4D8AAAAAAADgPwAAAAAAAOA/AAAAAAAA4D8CAAAAjAAAAAAAAAAAAAAAu+DjDP///wgAAAAAAAAAAAAAAAAAAAAAAAAAAAAAAAAAAAAAZAAAAAEAAABAAAAAAAAAAAAAAAAAAAAAAAAAAAAAAAAAAAAAAAAAAAAAAAAAAAAAAAAAAAAAAAAAAAAAAAAAAAAAAAAAAAAAAAAAAAAAAAAAAAAAAAAAAAAAAAAAAAAAFAAAADwAAAAAAAAAAAAAAAAAAAkUAAAAAQAAABQAAAAUAAAAFAAAAAEAAAAAAAAAZAAAAGQAAAAAAAAAZAAAAGQAAAAVAAAAYAAAAAAAAAAAAAAADwAAACADAAAAAAAAAAAAAAEAAACgMgAAVgcAAKr4//8BAAAAf39/AAEAAABkAAAAAAAAABQAAABAHwAAAAAAACYAAAAAAAAAwOD//wAAAAAmAAAAZAAAABYAAABMAAAAAAAAAAAAAAAEAAAAAAAAAAEAAACAgIAKAAAAACgAAAAoAAAAZAAAAGQAAAAAAAAAzMzMAAAAAABQAAAAUAAAAGQAAABkAAAAAAAAABcAAAAUAAAAAAAAAAAAAAD/fwAA/38AAAAAAAAJAAAABAAAAE1hc3QeAAAAaAAAAAAAAAAAAAAAAAAAAAAAAAAAAAAAECcAABAnAAAAAAAAAAAAAAAAAAAAAAAAAAAAAAAAAAAAAAAAAAAAABQAAAAAAAAAwMD/AAAAAABkAAAAMgAAAAAAAABkAAAAAAAAAH9/fwAKAAAAIgAAABgAAAAAAAAAAAAAAAAAAAAAAAAAAAAAAAAAAAAkAAAAJAAAAAAAAAAHAAAAAAAAAAAAAAAAAAAAAAAAAAAAAAAAAAAAf39/ACUAAABYAAAAAAAAAAAAAAAAAAAAAAAAAAAAAAAAAAAAAAAAAAAAAAAAAAAAAAAAAAAAAAA/AAAAAAAAAKCGAQAAAAAAAAAAAAAAAAAMAAAAAQAAAAAAAAAAAAAAAAAAAB8AAABUAAAAAAAABQAAAAEAAAAAAAAAAAAAAAAAAAAAAAAAAAAAAAAAAAAAAAAAAAAAAAJ/f38AAAAAA8zMzADAwP8Af39/AAAAAAAAAAAAAAAAAAAAAAAAAAAAIQAAABgAAAAUAAAAoRkAABsnAABfMQAAWSkAABAAAAAmAAAACAAAAIOfAAD//8EB"/>
+                <pr:smNativeData xmlns:mc="http://schemas.openxmlformats.org/markup-compatibility/2006" xmlns:p14="http://schemas.microsoft.com/office/powerpoint/2010/main" xmlns:p15="http://schemas.microsoft.com/office/powerpoint/2012/main" xmlns:pr="smNativeData" xmlns="smNativeData" val="SMDATA_15_PhJKaRMAAAAlAAAAZAAAAA0AAAAAkAAAAEgAAACQAAAASAAAAAAAAAABAAAAAAAAAAEAAABQAAAAAAAAAAAA4D8AAAAAAADgPwAAAAAAAOA/AAAAAAAA4D8AAAAAAADgPwAAAAAAAOA/AAAAAAAA4D8AAAAAAADgPwAAAAAAAOA/AAAAAAAA4D8CAAAAjAAAAAAAAAAAAAAAu+DjDP///wgAAAAAAAAAAAAAAAAAAAAAAAAAAAAAAAAAAAAAZAAAAAEAAABAAAAAAAAAAAAAAAAAAAAAAAAAAAAAAAAAAAAAAAAAAAAAAAAAAAAAAAAAAAAAAAAAAAAAAAAAAAAAAAAAAAAAAAAAAAAAAAAAAAAAAAAAAAAAAAAAAAAAFAAAADwAAAAAAAAAAAAAAAAAAAkUAAAAAQAAABQAAAAUAAAAFAAAAAEAAAAAAAAAZAAAAGQAAAAAAAAAZAAAAGQAAAAVAAAAYAAAAAAAAAAAAAAADwAAACADAAAAAAAAAAAAAAEAAACgMgAAVgcAAKr4//8BAAAAf39/AAEAAABkAAAAAAAAABQAAABAHwAAAAAAACYAAAAAAAAAwOD//wAAAAAmAAAAZAAAABYAAABMAAAAAAAAAAAAAAAEAAAAAAAAAAEAAACAgIAKAAAAACgAAAAoAAAAZAAAAGQAAAAAAAAAzMzMAAAAAABQAAAAUAAAAGQAAABkAAAAAAAAABcAAAAUAAAAAAAAAAAAAAD/fwAA/38AAAAAAAAJAAAABAAAAE1hc3QeAAAAaAAAAAAAAAAAAAAAAAAAAAAAAAAAAAAAECcAABAnAAAAAAAAAAAAAAAAAAAAAAAAAAAAAAAAAAAAAAAAAAAAABQAAAAAAAAAwMD/AAAAAABkAAAAMgAAAAAAAABkAAAAAAAAAH9/fwAKAAAAIgAAABgAAAAAAAAAAAAAAAAAAAAAAAAAAAAAAAAAAAAkAAAAJAAAAAAAAAAHAAAAAAAAAAAAAAAAAAAAAAAAAAAAAAAAAAAAf39/ACUAAABYAAAAAAAAAAAAAAAAAAAAAAAAAAAAAAAAAAAAAAAAAAAAAAAAAAAAAAAAAAAAAAA/AAAAAAAAAKCGAQAAAAAAAAAAAAAAAAAMAAAAAQAAAAAAAAAAAAAAAAAAAB8AAABUAAAAAAAABQAAAAEAAAAAAAAAAAAAAAAAAAAAAAAAAAAAAAAAAAAAAAAAAAAAAAJ/f38AAAAAA8zMzADAwP8Af39/AAAAAAAAAAAAAAAAAAAAAAAAAAAAIQAAABgAAAAUAAAAoRkAABsnAABfMQAAWSkAABAAAAAmAAAACAAAAIOfAAD//8EB"/>
               </a:ext>
             </a:extLst>
           </p:cNvSpPr>
@@ -2991,7 +2986,7 @@
             </a:lvl1pPr>
           </a:lstStyle>
           <a:p>
-            <a:pPr/>
+            <a:endParaRPr/>
           </a:p>
         </p:txBody>
       </p:sp>
@@ -3002,7 +2997,7 @@
             <a:spLocks noGrp="1" noChangeArrowheads="1"/>
             <a:extLst>
               <a:ext uri="smNativeData">
-                <pr:smNativeData xmlns:pr="smNativeData" xmlns="smNativeData" val="SMDATA_15_PhJKaRMAAAAlAAAAZAAAAA0AAAAAkAAAAEgAAACQAAAASAAAAAAAAAABAAAAAAAAAAEAAABQAAAAAAAAAAAA4D8AAAAAAADgPwAAAAAAAOA/AAAAAAAA4D8AAAAAAADgPwAAAAAAAOA/AAAAAAAA4D8AAAAAAADgPwAAAAAAAOA/AAAAAAAA4D8CAAAAjAAAAAAAAAAAAAAAu+DjDP///wgAAAAAAAAAAAAAAAAAAAAAAAAAAAAAAAAAAAAAZAAAAAEAAABAAAAAAAAAAAAAAAAAAAAAAAAAAAAAAAAAAAAAAAAAAAAAAAAAAAAAAAAAAAAAAAAAAAAAAAAAAAAAAAAAAAAAAAAAAAAAAAAAAAAAAAAAAAAAAAAAAAAAFAAAADwAAAAAAAAAAAAAAAAAAAkUAAAAAQAAABQAAAAUAAAAFAAAAAEAAAAAAAAAZAAAAGQAAAAAAAAAZAAAAGQAAAAVAAAAYAAAAAAAAAAAAAAADwAAACADAAAAAAAAAAAAAAEAAACgMgAAVgcAAKr4//8BAAAAf39/AAEAAABkAAAAAAAAABQAAABAHwAAAAAAACYAAAAAAAAAwOD//wAAAAAmAAAAZAAAABYAAABMAAAAAAAAAAAAAAAEAAAAAAAAAAEAAACAgIAKAAAAACgAAAAoAAAAZAAAAGQAAAAAAAAAzMzMAAAAAABQAAAAUAAAAGQAAABkAAAAAAAAABcAAAAUAAAAAAAAAAAAAAD/fwAA/38AAAAAAAAJAAAABAAAAEFBQUEeAAAAaAAAAAAAAAAAAAAAAAAAAAAAAAAAAAAAECcAABAnAAAAAAAAAAAAAAAAAAAAAAAAAAAAAAAAAAAAAAAAAAAAABQAAAAAAAAAwMD/AAAAAABkAAAAMgAAAAAAAABkAAAAAAAAAH9/fwAKAAAAIgAAABgAAAAAAAAAAAAAAAAAAAAAAAAAAAAAAAAAAAAkAAAAJAAAAAAAAAAHAAAAAAAAAAAAAAAAAAAAAAAAAAAAAAAAAAAAf39/ACUAAABYAAAAAAAAAAAAAAAAAAAAAAAAAAAAAAAAAAAAAAAAAAAAAAAAAAAAAAAAAAAAAAA/AAAAAAAAAKCGAQAAAAAAAAAAAAAAAAAMAAAAAQAAAAAAAAAAAAAAAAAAAB8AAABUAAAAAAAABQAAAAEAAAAAAAAAAAAAAAAAAAAAAAAAAAAAAAAAAAAAAAAAAAAAAAJ/f38AAAAAA8zMzADAwP8Af39/AAAAAAAAAAAAAAAAAAAAAAAAAAAAIQAAABgAAAAUAAAAwTUAABsnAABARwAAWSkAABAAAAAmAAAACAAAAIOfAAD//8EB"/>
+                <pr:smNativeData xmlns:mc="http://schemas.openxmlformats.org/markup-compatibility/2006" xmlns:p14="http://schemas.microsoft.com/office/powerpoint/2010/main" xmlns:p15="http://schemas.microsoft.com/office/powerpoint/2012/main" xmlns:pr="smNativeData" xmlns="smNativeData" val="SMDATA_15_PhJKaRMAAAAlAAAAZAAAAA0AAAAAkAAAAEgAAACQAAAASAAAAAAAAAABAAAAAAAAAAEAAABQAAAAAAAAAAAA4D8AAAAAAADgPwAAAAAAAOA/AAAAAAAA4D8AAAAAAADgPwAAAAAAAOA/AAAAAAAA4D8AAAAAAADgPwAAAAAAAOA/AAAAAAAA4D8CAAAAjAAAAAAAAAAAAAAAu+DjDP///wgAAAAAAAAAAAAAAAAAAAAAAAAAAAAAAAAAAAAAZAAAAAEAAABAAAAAAAAAAAAAAAAAAAAAAAAAAAAAAAAAAAAAAAAAAAAAAAAAAAAAAAAAAAAAAAAAAAAAAAAAAAAAAAAAAAAAAAAAAAAAAAAAAAAAAAAAAAAAAAAAAAAAFAAAADwAAAAAAAAAAAAAAAAAAAkUAAAAAQAAABQAAAAUAAAAFAAAAAEAAAAAAAAAZAAAAGQAAAAAAAAAZAAAAGQAAAAVAAAAYAAAAAAAAAAAAAAADwAAACADAAAAAAAAAAAAAAEAAACgMgAAVgcAAKr4//8BAAAAf39/AAEAAABkAAAAAAAAABQAAABAHwAAAAAAACYAAAAAAAAAwOD//wAAAAAmAAAAZAAAABYAAABMAAAAAAAAAAAAAAAEAAAAAAAAAAEAAACAgIAKAAAAACgAAAAoAAAAZAAAAGQAAAAAAAAAzMzMAAAAAABQAAAAUAAAAGQAAABkAAAAAAAAABcAAAAUAAAAAAAAAAAAAAD/fwAA/38AAAAAAAAJAAAABAAAAEFBQUEeAAAAaAAAAAAAAAAAAAAAAAAAAAAAAAAAAAAAECcAABAnAAAAAAAAAAAAAAAAAAAAAAAAAAAAAAAAAAAAAAAAAAAAABQAAAAAAAAAwMD/AAAAAABkAAAAMgAAAAAAAABkAAAAAAAAAH9/fwAKAAAAIgAAABgAAAAAAAAAAAAAAAAAAAAAAAAAAAAAAAAAAAAkAAAAJAAAAAAAAAAHAAAAAAAAAAAAAAAAAAAAAAAAAAAAAAAAAAAAf39/ACUAAABYAAAAAAAAAAAAAAAAAAAAAAAAAAAAAAAAAAAAAAAAAAAAAAAAAAAAAAAAAAAAAAA/AAAAAAAAAKCGAQAAAAAAAAAAAAAAAAAMAAAAAQAAAAAAAAAAAAAAAAAAAB8AAABUAAAAAAAABQAAAAEAAAAAAAAAAAAAAAAAAAAAAAAAAAAAAAAAAAAAAAAAAAAAAAJ/f38AAAAAA8zMzADAwP8Af39/AAAAAAAAAAAAAAAAAAAAAAAAAAAAIQAAABgAAAAUAAAAwTUAABsnAABARwAAWSkAABAAAAAmAAAACAAAAIOfAAD//8EB"/>
               </a:ext>
             </a:extLst>
           </p:cNvSpPr>
@@ -3036,10 +3031,10 @@
             </a:lvl1pPr>
           </a:lstStyle>
           <a:p>
-            <a:pPr/>
             <a:fld id="{0CA793EE-A0E1-F265-AF1F-5630DD515903}" type="slidenum">
-              <a:t/>
+              <a:t>‹#›</a:t>
             </a:fld>
+            <a:endParaRPr/>
           </a:p>
         </p:txBody>
       </p:sp>
@@ -3080,7 +3075,7 @@
           </a:solidFill>
           <a:effectLst/>
           <a:latin typeface="Calibri" pitchFamily="2" charset="0"/>
-          <a:ea typeface="SimSun" pitchFamily="0" charset="0"/>
+          <a:ea typeface="SimSun" charset="0"/>
           <a:cs typeface="Times New Roman" pitchFamily="1" charset="0"/>
         </a:defRPr>
       </a:lvl1pPr>
@@ -3102,7 +3097,7 @@
           </a:solidFill>
           <a:effectLst/>
           <a:latin typeface="Calibri" pitchFamily="2" charset="0"/>
-          <a:ea typeface="SimSun" pitchFamily="0" charset="0"/>
+          <a:ea typeface="SimSun" charset="0"/>
           <a:cs typeface="Times New Roman" pitchFamily="1" charset="0"/>
         </a:defRPr>
       </a:lvl2pPr>
@@ -3124,7 +3119,7 @@
           </a:solidFill>
           <a:effectLst/>
           <a:latin typeface="Calibri" pitchFamily="2" charset="0"/>
-          <a:ea typeface="SimSun" pitchFamily="0" charset="0"/>
+          <a:ea typeface="SimSun" charset="0"/>
           <a:cs typeface="Times New Roman" pitchFamily="1" charset="0"/>
         </a:defRPr>
       </a:lvl3pPr>
@@ -3146,7 +3141,7 @@
           </a:solidFill>
           <a:effectLst/>
           <a:latin typeface="Calibri" pitchFamily="2" charset="0"/>
-          <a:ea typeface="SimSun" pitchFamily="0" charset="0"/>
+          <a:ea typeface="SimSun" charset="0"/>
           <a:cs typeface="Times New Roman" pitchFamily="1" charset="0"/>
         </a:defRPr>
       </a:lvl4pPr>
@@ -3168,7 +3163,7 @@
           </a:solidFill>
           <a:effectLst/>
           <a:latin typeface="Calibri" pitchFamily="2" charset="0"/>
-          <a:ea typeface="SimSun" pitchFamily="0" charset="0"/>
+          <a:ea typeface="SimSun" charset="0"/>
           <a:cs typeface="Times New Roman" pitchFamily="1" charset="0"/>
         </a:defRPr>
       </a:lvl5pPr>
@@ -3190,7 +3185,7 @@
           </a:solidFill>
           <a:effectLst/>
           <a:latin typeface="Calibri" pitchFamily="2" charset="0"/>
-          <a:ea typeface="SimSun" pitchFamily="0" charset="0"/>
+          <a:ea typeface="SimSun" charset="0"/>
           <a:cs typeface="Times New Roman" pitchFamily="1" charset="0"/>
         </a:defRPr>
       </a:lvl6pPr>
@@ -3212,7 +3207,7 @@
           </a:solidFill>
           <a:effectLst/>
           <a:latin typeface="Calibri" pitchFamily="2" charset="0"/>
-          <a:ea typeface="SimSun" pitchFamily="0" charset="0"/>
+          <a:ea typeface="SimSun" charset="0"/>
           <a:cs typeface="Times New Roman" pitchFamily="1" charset="0"/>
         </a:defRPr>
       </a:lvl7pPr>
@@ -3234,7 +3229,7 @@
           </a:solidFill>
           <a:effectLst/>
           <a:latin typeface="Calibri" pitchFamily="2" charset="0"/>
-          <a:ea typeface="SimSun" pitchFamily="0" charset="0"/>
+          <a:ea typeface="SimSun" charset="0"/>
           <a:cs typeface="Times New Roman" pitchFamily="1" charset="0"/>
         </a:defRPr>
       </a:lvl8pPr>
@@ -3256,7 +3251,7 @@
           </a:solidFill>
           <a:effectLst/>
           <a:latin typeface="Calibri" pitchFamily="2" charset="0"/>
-          <a:ea typeface="SimSun" pitchFamily="0" charset="0"/>
+          <a:ea typeface="SimSun" charset="0"/>
           <a:cs typeface="Times New Roman" pitchFamily="1" charset="0"/>
         </a:defRPr>
       </a:lvl9pPr>
@@ -3283,7 +3278,7 @@
           </a:solidFill>
           <a:effectLst/>
           <a:latin typeface="Calibri" pitchFamily="2" charset="0"/>
-          <a:ea typeface="SimSun" pitchFamily="0" charset="0"/>
+          <a:ea typeface="SimSun" charset="0"/>
           <a:cs typeface="Times New Roman" pitchFamily="1" charset="0"/>
         </a:defRPr>
       </a:lvl1pPr>
@@ -3308,7 +3303,7 @@
           </a:solidFill>
           <a:effectLst/>
           <a:latin typeface="Calibri" pitchFamily="2" charset="0"/>
-          <a:ea typeface="SimSun" pitchFamily="0" charset="0"/>
+          <a:ea typeface="SimSun" charset="0"/>
           <a:cs typeface="Times New Roman" pitchFamily="1" charset="0"/>
         </a:defRPr>
       </a:lvl2pPr>
@@ -3333,7 +3328,7 @@
           </a:solidFill>
           <a:effectLst/>
           <a:latin typeface="Calibri" pitchFamily="2" charset="0"/>
-          <a:ea typeface="SimSun" pitchFamily="0" charset="0"/>
+          <a:ea typeface="SimSun" charset="0"/>
           <a:cs typeface="Times New Roman" pitchFamily="1" charset="0"/>
         </a:defRPr>
       </a:lvl3pPr>
@@ -3358,7 +3353,7 @@
           </a:solidFill>
           <a:effectLst/>
           <a:latin typeface="Calibri" pitchFamily="2" charset="0"/>
-          <a:ea typeface="SimSun" pitchFamily="0" charset="0"/>
+          <a:ea typeface="SimSun" charset="0"/>
           <a:cs typeface="Times New Roman" pitchFamily="1" charset="0"/>
         </a:defRPr>
       </a:lvl4pPr>
@@ -3383,7 +3378,7 @@
           </a:solidFill>
           <a:effectLst/>
           <a:latin typeface="Calibri" pitchFamily="2" charset="0"/>
-          <a:ea typeface="SimSun" pitchFamily="0" charset="0"/>
+          <a:ea typeface="SimSun" charset="0"/>
           <a:cs typeface="Times New Roman" pitchFamily="1" charset="0"/>
         </a:defRPr>
       </a:lvl5pPr>
@@ -3408,7 +3403,7 @@
           </a:solidFill>
           <a:effectLst/>
           <a:latin typeface="Calibri" pitchFamily="2" charset="0"/>
-          <a:ea typeface="SimSun" pitchFamily="0" charset="0"/>
+          <a:ea typeface="SimSun" charset="0"/>
           <a:cs typeface="Times New Roman" pitchFamily="1" charset="0"/>
         </a:defRPr>
       </a:lvl6pPr>
@@ -3433,7 +3428,7 @@
           </a:solidFill>
           <a:effectLst/>
           <a:latin typeface="Calibri" pitchFamily="2" charset="0"/>
-          <a:ea typeface="SimSun" pitchFamily="0" charset="0"/>
+          <a:ea typeface="SimSun" charset="0"/>
           <a:cs typeface="Times New Roman" pitchFamily="1" charset="0"/>
         </a:defRPr>
       </a:lvl7pPr>
@@ -3458,7 +3453,7 @@
           </a:solidFill>
           <a:effectLst/>
           <a:latin typeface="Calibri" pitchFamily="2" charset="0"/>
-          <a:ea typeface="SimSun" pitchFamily="0" charset="0"/>
+          <a:ea typeface="SimSun" charset="0"/>
           <a:cs typeface="Times New Roman" pitchFamily="1" charset="0"/>
         </a:defRPr>
       </a:lvl8pPr>
@@ -3483,7 +3478,7 @@
           </a:solidFill>
           <a:effectLst/>
           <a:latin typeface="Calibri" pitchFamily="2" charset="0"/>
-          <a:ea typeface="SimSun" pitchFamily="0" charset="0"/>
+          <a:ea typeface="SimSun" charset="0"/>
           <a:cs typeface="Times New Roman" pitchFamily="1" charset="0"/>
         </a:defRPr>
       </a:lvl9pPr>
@@ -3507,7 +3502,7 @@
           </a:solidFill>
           <a:effectLst/>
           <a:latin typeface="Calibri" pitchFamily="2" charset="0"/>
-          <a:ea typeface="SimSun" pitchFamily="0" charset="0"/>
+          <a:ea typeface="SimSun" charset="0"/>
           <a:cs typeface="Times New Roman" pitchFamily="1" charset="0"/>
         </a:defRPr>
       </a:lvl1pPr>
@@ -3529,7 +3524,7 @@
           </a:solidFill>
           <a:effectLst/>
           <a:latin typeface="Calibri" pitchFamily="2" charset="0"/>
-          <a:ea typeface="SimSun" pitchFamily="0" charset="0"/>
+          <a:ea typeface="SimSun" charset="0"/>
           <a:cs typeface="Times New Roman" pitchFamily="1" charset="0"/>
         </a:defRPr>
       </a:lvl2pPr>
@@ -3551,7 +3546,7 @@
           </a:solidFill>
           <a:effectLst/>
           <a:latin typeface="Calibri" pitchFamily="2" charset="0"/>
-          <a:ea typeface="SimSun" pitchFamily="0" charset="0"/>
+          <a:ea typeface="SimSun" charset="0"/>
           <a:cs typeface="Times New Roman" pitchFamily="1" charset="0"/>
         </a:defRPr>
       </a:lvl3pPr>
@@ -3573,7 +3568,7 @@
           </a:solidFill>
           <a:effectLst/>
           <a:latin typeface="Calibri" pitchFamily="2" charset="0"/>
-          <a:ea typeface="SimSun" pitchFamily="0" charset="0"/>
+          <a:ea typeface="SimSun" charset="0"/>
           <a:cs typeface="Times New Roman" pitchFamily="1" charset="0"/>
         </a:defRPr>
       </a:lvl4pPr>
@@ -3595,7 +3590,7 @@
           </a:solidFill>
           <a:effectLst/>
           <a:latin typeface="Calibri" pitchFamily="2" charset="0"/>
-          <a:ea typeface="SimSun" pitchFamily="0" charset="0"/>
+          <a:ea typeface="SimSun" charset="0"/>
           <a:cs typeface="Times New Roman" pitchFamily="1" charset="0"/>
         </a:defRPr>
       </a:lvl5pPr>
@@ -3617,7 +3612,7 @@
           </a:solidFill>
           <a:effectLst/>
           <a:latin typeface="Calibri" pitchFamily="2" charset="0"/>
-          <a:ea typeface="SimSun" pitchFamily="0" charset="0"/>
+          <a:ea typeface="SimSun" charset="0"/>
           <a:cs typeface="Times New Roman" pitchFamily="1" charset="0"/>
         </a:defRPr>
       </a:lvl6pPr>
@@ -3639,7 +3634,7 @@
           </a:solidFill>
           <a:effectLst/>
           <a:latin typeface="Calibri" pitchFamily="2" charset="0"/>
-          <a:ea typeface="SimSun" pitchFamily="0" charset="0"/>
+          <a:ea typeface="SimSun" charset="0"/>
           <a:cs typeface="Times New Roman" pitchFamily="1" charset="0"/>
         </a:defRPr>
       </a:lvl7pPr>
@@ -3661,7 +3656,7 @@
           </a:solidFill>
           <a:effectLst/>
           <a:latin typeface="Calibri" pitchFamily="2" charset="0"/>
-          <a:ea typeface="SimSun" pitchFamily="0" charset="0"/>
+          <a:ea typeface="SimSun" charset="0"/>
           <a:cs typeface="Times New Roman" pitchFamily="1" charset="0"/>
         </a:defRPr>
       </a:lvl8pPr>
@@ -3683,7 +3678,7 @@
           </a:solidFill>
           <a:effectLst/>
           <a:latin typeface="Calibri" pitchFamily="2" charset="0"/>
-          <a:ea typeface="SimSun" pitchFamily="0" charset="0"/>
+          <a:ea typeface="SimSun" charset="0"/>
           <a:cs typeface="Times New Roman" pitchFamily="1" charset="0"/>
         </a:defRPr>
       </a:lvl9pPr>
@@ -3693,7 +3688,7 @@
 </file>
 
 <file path=ppt/slides/slide1.xml><?xml version="1.0" encoding="utf-8"?>
-<p:sld xmlns:p="http://schemas.openxmlformats.org/presentationml/2006/main" xmlns:mc="http://schemas.openxmlformats.org/markup-compatibility/2006" xmlns:p14="http://schemas.microsoft.com/office/powerpoint/2010/main" xmlns:p15="http://schemas.microsoft.com/office/powerpoint/2012/main" xmlns:r="http://schemas.openxmlformats.org/officeDocument/2006/relationships" xmlns:a="http://schemas.openxmlformats.org/drawingml/2006/main" mc:Ignorable="p14">
+<p:sld xmlns:a="http://schemas.openxmlformats.org/drawingml/2006/main" xmlns:r="http://schemas.openxmlformats.org/officeDocument/2006/relationships" xmlns:p="http://schemas.openxmlformats.org/presentationml/2006/main">
   <p:cSld>
     <p:spTree>
       <p:nvGrpSpPr>
@@ -3716,7 +3711,7 @@
             <a:spLocks noGrp="1" noChangeArrowheads="1"/>
             <a:extLst>
               <a:ext uri="smNativeData">
-                <pr:smNativeData xmlns:pr="smNativeData" xmlns="smNativeData" val="SMDATA_15_PhJKaRMAAAAlAAAAZAAAAA0AAAAAkAAAAEgAAACQAAAASAAAAAAAAAABAAAAAAAAAAEAAABQAAAAAAAAAAAA4D8AAAAAAADgPwAAAAAAAOA/AAAAAAAA4D8AAAAAAADgPwAAAAAAAOA/AAAAAAAA4D8AAAAAAADgPwAAAAAAAOA/AAAAAAAA4D8CAAAAjAAAAAAAAAAAAAAAu+DjDP///wgAAAAAAAAAAAAAAAAAAAAAAAAAAAAAAAAAAAAAZAAAAAEAAABAAAAAAAAAAAAAAAAAAAAAAAAAAAAAAAAAAAAAAAAAAAAAAAAAAAAAAAAAAAAAAAAAAAAAAAAAAAAAAAAAAAAAAAAAAAAAAAAAAAAAAAAAAAAAAAAAAAAAFAAAADwAAAAAAAAAAAAAAAAAAAkUAAAAAQAAABQAAAAUAAAAFAAAAAEAAAAAAAAAZAAAAGQAAAAAAAAAZAAAAGQAAAAVAAAAYAAAAAAAAAAAAAAADwAAACADAAAAAAAAAAAAAAEAAACgMgAAVgcAAKr4//8BAAAAf39/AAEAAABkAAAAAAAAABQAAABAHwAAAAAAACYAAAAAAAAAwOD//wAAAAAmAAAAZAAAABYAAABMAAAAAAAAAAAAAAAEAAAAAAAAAAEAAACAgIAKAAAAACgAAAAoAAAAZAAAAGQAAAAAAAAAzMzMAAAAAABQAAAAUAAAAGQAAABkAAAAAAAAABcAAAAUAAAAAAAAAAAAAAD/fwAA/38AAAAAAAAJAAAABAAAAAAAAAAeAAAAaAAAAAAAAAAAAAAAAAAAAAAAAAAAAAAAECcAABAnAAAAAAAAAAAAAAAAAAAAAAAAAAAAAAAAAAAAAAAAAAAAABQAAAAAAAAAwMD/AAAAAABkAAAAMgAAAAAAAABkAAAAAAAAAH9/fwAKAAAAIgAAABgAAAAAAAAAAAAAAAAAAAAAAAAAAAAAAAAAAAAkAAAAJAAAAAAAAAAHAAAAAAAAAAAAAAAAAAAAAAAAAAAAAAAAAAAAf39/ACUAAABYAAAAAAAAAAAAAAAAAAAAAAAAAAAAAAAAAAAAAAAAAAAAAAAAAAAAAAAAAAAAAAA/AAAAAAAAAKCGAQAAAAAAAAAAAAAAAAAMAAAAAQAAAAAAAAAAAAAAAAAAAB8AAABUAAAAAAAABQAAAAEAAAAAAAAAAAAAAAAAAAAAAAAAAAAAAAAAAAAAAAAAAAAAAAJ/f38AAAAAA8zMzADAwP8Af39/AAAAAAAAAAAAAAAAAAAAAAAAAAAAIQAAABgAAAAUAAAAoAUAABoNAABgRQAAJhYAABAAAAAmAAAACAAAAAAAAAAAAAAA"/>
+                <pr:smNativeData xmlns:mc="http://schemas.openxmlformats.org/markup-compatibility/2006" xmlns:p14="http://schemas.microsoft.com/office/powerpoint/2010/main" xmlns:p15="http://schemas.microsoft.com/office/powerpoint/2012/main" xmlns:pr="smNativeData" xmlns="smNativeData" val="SMDATA_15_PhJKaRMAAAAlAAAAZAAAAA0AAAAAkAAAAEgAAACQAAAASAAAAAAAAAABAAAAAAAAAAEAAABQAAAAAAAAAAAA4D8AAAAAAADgPwAAAAAAAOA/AAAAAAAA4D8AAAAAAADgPwAAAAAAAOA/AAAAAAAA4D8AAAAAAADgPwAAAAAAAOA/AAAAAAAA4D8CAAAAjAAAAAAAAAAAAAAAu+DjDP///wgAAAAAAAAAAAAAAAAAAAAAAAAAAAAAAAAAAAAAZAAAAAEAAABAAAAAAAAAAAAAAAAAAAAAAAAAAAAAAAAAAAAAAAAAAAAAAAAAAAAAAAAAAAAAAAAAAAAAAAAAAAAAAAAAAAAAAAAAAAAAAAAAAAAAAAAAAAAAAAAAAAAAFAAAADwAAAAAAAAAAAAAAAAAAAkUAAAAAQAAABQAAAAUAAAAFAAAAAEAAAAAAAAAZAAAAGQAAAAAAAAAZAAAAGQAAAAVAAAAYAAAAAAAAAAAAAAADwAAACADAAAAAAAAAAAAAAEAAACgMgAAVgcAAKr4//8BAAAAf39/AAEAAABkAAAAAAAAABQAAABAHwAAAAAAACYAAAAAAAAAwOD//wAAAAAmAAAAZAAAABYAAABMAAAAAAAAAAAAAAAEAAAAAAAAAAEAAACAgIAKAAAAACgAAAAoAAAAZAAAAGQAAAAAAAAAzMzMAAAAAABQAAAAUAAAAGQAAABkAAAAAAAAABcAAAAUAAAAAAAAAAAAAAD/fwAA/38AAAAAAAAJAAAABAAAAAAAAAAeAAAAaAAAAAAAAAAAAAAAAAAAAAAAAAAAAAAAECcAABAnAAAAAAAAAAAAAAAAAAAAAAAAAAAAAAAAAAAAAAAAAAAAABQAAAAAAAAAwMD/AAAAAABkAAAAMgAAAAAAAABkAAAAAAAAAH9/fwAKAAAAIgAAABgAAAAAAAAAAAAAAAAAAAAAAAAAAAAAAAAAAAAkAAAAJAAAAAAAAAAHAAAAAAAAAAAAAAAAAAAAAAAAAAAAAAAAAAAAf39/ACUAAABYAAAAAAAAAAAAAAAAAAAAAAAAAAAAAAAAAAAAAAAAAAAAAAAAAAAAAAAAAAAAAAA/AAAAAAAAAKCGAQAAAAAAAAAAAAAAAAAMAAAAAQAAAAAAAAAAAAAAAAAAAB8AAABUAAAAAAAABQAAAAEAAAAAAAAAAAAAAAAAAAAAAAAAAAAAAAAAAAAAAAAAAAAAAAJ/f38AAAAAA8zMzADAwP8Af39/AAAAAAAAAAAAAAAAAAAAAAAAAAAAIQAAABgAAAAUAAAAoAUAABoNAABgRQAAJhYAABAAAAAmAAAACAAAAAAAAAAAAAAA"/>
               </a:ext>
             </a:extLst>
           </p:cNvSpPr>
@@ -3729,7 +3724,6 @@
           <a:bodyPr/>
           <a:lstStyle/>
           <a:p>
-            <a:pPr/>
             <a:r>
               <a:t>AI PyTorch</a:t>
             </a:r>
@@ -3743,7 +3737,7 @@
             <a:spLocks noGrp="1" noChangeArrowheads="1"/>
             <a:extLst>
               <a:ext uri="smNativeData">
-                <pr:smNativeData xmlns:pr="smNativeData" xmlns="smNativeData" val="SMDATA_15_PhJKaRMAAAAlAAAAZAAAAA0AAAAAkAAAAEgAAACQAAAASAAAAAAAAAAAAAAAAAAAAAEAAABQAAAAAAAAAAAA4D8AAAAAAADgPwAAAAAAAOA/AAAAAAAA4D8AAAAAAADgPwAAAAAAAOA/AAAAAAAA4D8AAAAAAADgPwAAAAAAAOA/AAAAAAAA4D8CAAAAjAAAAAAAAAAAAAAAu+DjDP///wgAAAAAAAAAAAAAAAAAAAAAAAAAAAAAAAAAAAAAZAAAAAEAAABAAAAAAAAAAAAAAAAAAAAAAAAAAAAAAAAAAAAAAAAAAAAAAAAAAAAAAAAAAAAAAAAAAAAAAAAAAAAAAAAAAAAAAAAAAAAAAAAAAAAAAAAAAAAAAAAAAAAAFAAAADwAAAAAAAAAAAAAAAAAAAkUAAAAAQAAABQAAAAUAAAAFAAAAAEAAAAAAAAAZAAAAGQAAAAAAAAAZAAAAGQAAAAVAAAAYAAAAAAAAAAAAAAADwAAACADAAAAAAAAAAAAAAEAAACgMgAAVgcAAKr4//8BAAAAf39/AAEAAABkAAAAAAAAABQAAABAHwAAAAAAACYAAAAAAAAAwOD//wAAAAAmAAAAZAAAABYAAABMAAAAAAAAAAAAAAAEAAAAAAAAAAEAAACAgIAKAAAAACgAAAAoAAAAZAAAAGQAAAAAAAAAzMzMAAAAAABQAAAAUAAAAGQAAABkAAAAAAAAABcAAAAUAAAAAAAAAAAAAAD/fwAA/38AAAAAAAAJAAAABAAAAAAAAAAeAAAAaAAAAAAAAAAAAAAAAAAAAAAAAAAAAAAAECcAABAnAAAAAAAAAAAAAAAAAAAAAAAAAAAAAAAAAAAAAAAAAAAAABQAAAAAAAAAwMD/AAAAAABkAAAAMgAAAAAAAABkAAAAAAAAAH9/fwAKAAAAIgAAABgAAAAAAAAAAAAAAAAAAAAAAAAAAAAAAAAAAAAkAAAAJAAAAAAAAAAHAAAAAAAAAAAAAAAAAAAAAAAAAAAAAAAAAAAAf39/ACUAAABYAAAAAAAAAAAAAAAAAAAAAAAAAAAAAAAAAAAAAAAAAAAAAAAAAAAAAAAAAAAAAAA/AAAAAAAAAKCGAQAAAAAAAAAAAAAAAAAMAAAAAQAAAAAAAAAAAAAAAAAAAB8AAABUAAAAAAAABQAAAAEAAAAAAAAAAAAAAAAAAAAAAAAAAAAAAAAAAAAAAAAAAAAAAAJ/f38AAAAAA8zMzADAwP8Af39/AAAAAAAAAAAAAAAAAAAAAAAAAAAAIQAAABgAAAAUAAAAQAsAAOgXAADAPwAAsCIAABAAAAAmAAAACAAAAAAAAAAAAAAA"/>
+                <pr:smNativeData xmlns:mc="http://schemas.openxmlformats.org/markup-compatibility/2006" xmlns:p14="http://schemas.microsoft.com/office/powerpoint/2010/main" xmlns:p15="http://schemas.microsoft.com/office/powerpoint/2012/main" xmlns:pr="smNativeData" xmlns="smNativeData" val="SMDATA_15_PhJKaRMAAAAlAAAAZAAAAA0AAAAAkAAAAEgAAACQAAAASAAAAAAAAAAAAAAAAAAAAAEAAABQAAAAAAAAAAAA4D8AAAAAAADgPwAAAAAAAOA/AAAAAAAA4D8AAAAAAADgPwAAAAAAAOA/AAAAAAAA4D8AAAAAAADgPwAAAAAAAOA/AAAAAAAA4D8CAAAAjAAAAAAAAAAAAAAAu+DjDP///wgAAAAAAAAAAAAAAAAAAAAAAAAAAAAAAAAAAAAAZAAAAAEAAABAAAAAAAAAAAAAAAAAAAAAAAAAAAAAAAAAAAAAAAAAAAAAAAAAAAAAAAAAAAAAAAAAAAAAAAAAAAAAAAAAAAAAAAAAAAAAAAAAAAAAAAAAAAAAAAAAAAAAFAAAADwAAAAAAAAAAAAAAAAAAAkUAAAAAQAAABQAAAAUAAAAFAAAAAEAAAAAAAAAZAAAAGQAAAAAAAAAZAAAAGQAAAAVAAAAYAAAAAAAAAAAAAAADwAAACADAAAAAAAAAAAAAAEAAACgMgAAVgcAAKr4//8BAAAAf39/AAEAAABkAAAAAAAAABQAAABAHwAAAAAAACYAAAAAAAAAwOD//wAAAAAmAAAAZAAAABYAAABMAAAAAAAAAAAAAAAEAAAAAAAAAAEAAACAgIAKAAAAACgAAAAoAAAAZAAAAGQAAAAAAAAAzMzMAAAAAABQAAAAUAAAAGQAAABkAAAAAAAAABcAAAAUAAAAAAAAAAAAAAD/fwAA/38AAAAAAAAJAAAABAAAAAAAAAAeAAAAaAAAAAAAAAAAAAAAAAAAAAAAAAAAAAAAECcAABAnAAAAAAAAAAAAAAAAAAAAAAAAAAAAAAAAAAAAAAAAAAAAABQAAAAAAAAAwMD/AAAAAABkAAAAMgAAAAAAAABkAAAAAAAAAH9/fwAKAAAAIgAAABgAAAAAAAAAAAAAAAAAAAAAAAAAAAAAAAAAAAAkAAAAJAAAAAAAAAAHAAAAAAAAAAAAAAAAAAAAAAAAAAAAAAAAAAAAf39/ACUAAABYAAAAAAAAAAAAAAAAAAAAAAAAAAAAAAAAAAAAAAAAAAAAAAAAAAAAAAAAAAAAAAA/AAAAAAAAAKCGAQAAAAAAAAAAAAAAAAAMAAAAAQAAAAAAAAAAAAAAAAAAAB8AAABUAAAAAAAABQAAAAEAAAAAAAAAAAAAAAAAAAAAAAAAAAAAAAAAAAAAAAAAAAAAAAJ/f38AAAAAA8zMzADAwP8Af39/AAAAAAAAAAAAAAAAAAAAAAAAAAAAIQAAABgAAAAUAAAAQAsAAOgXAADAPwAAsCIAABAAAAAmAAAACAAAAAAAAAAAAAAA"/>
               </a:ext>
             </a:extLst>
           </p:cNvSpPr>
@@ -3756,7 +3750,7 @@
           <a:bodyPr/>
           <a:lstStyle/>
           <a:p>
-            <a:pPr/>
+            <a:endParaRPr/>
           </a:p>
         </p:txBody>
       </p:sp>
@@ -3776,7 +3770,7 @@
 </file>
 
 <file path=ppt/slides/slide10.xml><?xml version="1.0" encoding="utf-8"?>
-<p:sld xmlns:p="http://schemas.openxmlformats.org/presentationml/2006/main" xmlns:mc="http://schemas.openxmlformats.org/markup-compatibility/2006" xmlns:p14="http://schemas.microsoft.com/office/powerpoint/2010/main" xmlns:p15="http://schemas.microsoft.com/office/powerpoint/2012/main" xmlns:r="http://schemas.openxmlformats.org/officeDocument/2006/relationships" xmlns:a="http://schemas.openxmlformats.org/drawingml/2006/main" mc:Ignorable="p14">
+<p:sld xmlns:a="http://schemas.openxmlformats.org/drawingml/2006/main" xmlns:r="http://schemas.openxmlformats.org/officeDocument/2006/relationships" xmlns:p="http://schemas.openxmlformats.org/presentationml/2006/main">
   <p:cSld>
     <p:spTree>
       <p:nvGrpSpPr>
@@ -3799,7 +3793,7 @@
             <a:spLocks noGrp="1" noChangeArrowheads="1"/>
             <a:extLst>
               <a:ext uri="smNativeData">
-                <pr:smNativeData xmlns:pr="smNativeData" xmlns="smNativeData" val="SMDATA_15_PhJKaRMAAAAlAAAAZAAAAA0AAAAAkAAAAEgAAACQAAAASAAAAAAAAAABAAAAAAAAAAEAAABQAAAAAAAAAAAA4D8AAAAAAADgPwAAAAAAAOA/AAAAAAAA4D8AAAAAAADgPwAAAAAAAOA/AAAAAAAA4D8AAAAAAADgPwAAAAAAAOA/AAAAAAAA4D8CAAAAjAAAAAAAAAAAAAAAu+DjDP///wgAAAAAAAAAAAAAAAAAAAAAAAAAAAAAAAAAAAAAZAAAAAEAAABAAAAAAAAAAAAAAAAAAAAAAAAAAAAAAAAAAAAAAAAAAAAAAAAAAAAAAAAAAAAAAAAAAAAAAAAAAAAAAAAAAAAAAAAAAAAAAAAAAAAAAAAAAAAAAAAAAAAAFAAAADwAAAAAAAAAAAAAAAAAAAkUAAAAAQAAABQAAAAUAAAAFAAAAAEAAAAAAAAAZAAAAGQAAAAAAAAAZAAAAGQAAAAVAAAAYAAAAAAAAAAAAAAADwAAACADAAAAAAAAAAAAAAEAAACgMgAAVgcAAKr4//8BAAAAf39/AAEAAABkAAAAAAAAABQAAABAHwAAAAAAACYAAAAAAAAAwOD//wAAAAAmAAAAZAAAABYAAABMAAAAAAAAAAAAAAAEAAAAAAAAAAEAAACAgIAKAAAAACgAAAAoAAAAZAAAAGQAAAAAAAAAzMzMAAAAAABQAAAAUAAAAGQAAABkAAAAAAAAABcAAAAUAAAAAAAAAAAAAAD/fwAA/38AAAAAAAAJAAAABAAAAF8AYAAeAAAAaAAAAAAAAAAAAAAAAAAAAAAAAAAAAAAAECcAABAnAAAAAAAAAAAAAAAAAAAAAAAAAAAAAAAAAAAAAAAAAAAAABQAAAAAAAAAwMD/AAAAAABkAAAAMgAAAAAAAABkAAAAAAAAAH9/fwAKAAAAIgAAABgAAAAAAAAAAAAAAAAAAAAAAAAAAAAAAAAAAAAkAAAAJAAAAAAAAAAHAAAAAAAAAAAAAAAAAAAAAAAAAAAAAAAAAAAAf39/ACUAAABYAAAAAAAAAAAAAAAAAAAAAAAAAAAAAAAAAAAAAAAAAAAAAAAAAAAAAAAAAAAAAAA/AAAAAAAAAKCGAQAAAAAAAAAAAAAAAAAMAAAAAQAAAAAAAAAAAAAAAAAAAB8AAABUAAAAAAAABQAAAAEAAAAAAAAAAAAAAAAAAAAAAAAAAAAAAAAAAAAAAAAAAAAAAAJ/f38AAAAAA8zMzADAwP8Af39/AAAAAAAAAAAAAAAAAAAAAAAAAAAAIQAAABgAAAAUAAAAwAMAALABAABARwAAuAgAABAAAAAmAAAACAAAAAAAAAAAAAAA"/>
+                <pr:smNativeData xmlns:mc="http://schemas.openxmlformats.org/markup-compatibility/2006" xmlns:p14="http://schemas.microsoft.com/office/powerpoint/2010/main" xmlns:p15="http://schemas.microsoft.com/office/powerpoint/2012/main" xmlns:pr="smNativeData" xmlns="smNativeData" val="SMDATA_15_PhJKaRMAAAAlAAAAZAAAAA0AAAAAkAAAAEgAAACQAAAASAAAAAAAAAABAAAAAAAAAAEAAABQAAAAAAAAAAAA4D8AAAAAAADgPwAAAAAAAOA/AAAAAAAA4D8AAAAAAADgPwAAAAAAAOA/AAAAAAAA4D8AAAAAAADgPwAAAAAAAOA/AAAAAAAA4D8CAAAAjAAAAAAAAAAAAAAAu+DjDP///wgAAAAAAAAAAAAAAAAAAAAAAAAAAAAAAAAAAAAAZAAAAAEAAABAAAAAAAAAAAAAAAAAAAAAAAAAAAAAAAAAAAAAAAAAAAAAAAAAAAAAAAAAAAAAAAAAAAAAAAAAAAAAAAAAAAAAAAAAAAAAAAAAAAAAAAAAAAAAAAAAAAAAFAAAADwAAAAAAAAAAAAAAAAAAAkUAAAAAQAAABQAAAAUAAAAFAAAAAEAAAAAAAAAZAAAAGQAAAAAAAAAZAAAAGQAAAAVAAAAYAAAAAAAAAAAAAAADwAAACADAAAAAAAAAAAAAAEAAACgMgAAVgcAAKr4//8BAAAAf39/AAEAAABkAAAAAAAAABQAAABAHwAAAAAAACYAAAAAAAAAwOD//wAAAAAmAAAAZAAAABYAAABMAAAAAAAAAAAAAAAEAAAAAAAAAAEAAACAgIAKAAAAACgAAAAoAAAAZAAAAGQAAAAAAAAAzMzMAAAAAABQAAAAUAAAAGQAAABkAAAAAAAAABcAAAAUAAAAAAAAAAAAAAD/fwAA/38AAAAAAAAJAAAABAAAAAAAAAAeAAAAaAAAAAAAAAAAAAAAAAAAAAAAAAAAAAAAECcAABAnAAAAAAAAAAAAAAAAAAAAAAAAAAAAAAAAAAAAAAAAAAAAABQAAAAAAAAAwMD/AAAAAABkAAAAMgAAAAAAAABkAAAAAAAAAH9/fwAKAAAAIgAAABgAAAAAAAAAAAAAAAAAAAAAAAAAAAAAAAAAAAAkAAAAJAAAAAAAAAAHAAAAAAAAAAAAAAAAAAAAAAAAAAAAAAAAAAAAf39/ACUAAABYAAAAAAAAAAAAAAAAAAAAAAAAAAAAAAAAAAAAAAAAAAAAAAAAAAAAAAAAAAAAAAA/AAAAAAAAAKCGAQAAAAAAAAAAAAAAAAAMAAAAAQAAAAAAAAAAAAAAAAAAAB8AAABUAAAAAAAABQAAAAEAAAAAAAAAAAAAAAAAAAAAAAAAAAAAAAAAAAAAAAAAAAAAAAJ/f38AAAAAA8zMzADAwP8Af39/AAAAAAAAAAAAAAAAAAAAAAAAAAAAIQAAABgAAAAUAAAAwAMAALABAABARwAAuAgAABAAAAAmAAAACAAAAAAAAAAAAAAA"/>
               </a:ext>
             </a:extLst>
           </p:cNvSpPr>
@@ -3812,12 +3806,10 @@
           <a:bodyPr/>
           <a:lstStyle/>
           <a:p>
-            <a:pPr/>
-            <a:r>
-              <a:rPr lang="en-us" cap="none"/>
-              <a:t>TorchAudio</a:t>
-            </a:r>
-            <a:endParaRPr lang="en-us" cap="none"/>
+            <a:r>
+              <a:rPr lang="en-US" cap="none"/>
+              <a:t>TorchVision</a:t>
+            </a:r>
           </a:p>
         </p:txBody>
       </p:sp>
@@ -3828,7 +3820,7 @@
             <a:spLocks noGrp="1" noChangeArrowheads="1"/>
             <a:extLst>
               <a:ext uri="smNativeData">
-                <pr:smNativeData xmlns:pr="smNativeData" xmlns="smNativeData" val="SMDATA_15_PhJKaRMAAAAlAAAAZAAAAA0AAAAAkAAAAEgAAACQAAAASAAAAAAAAAAAAAAAAAAAAAEAAABQAAAAAAAAAAAA4D8AAAAAAADgPwAAAAAAAOA/AAAAAAAA4D8AAAAAAADgPwAAAAAAAOA/AAAAAAAA4D8AAAAAAADgPwAAAAAAAOA/AAAAAAAA4D8CAAAAjAAAAAAAAAAAAAAAu+DjDP///wgAAAAAAAAAAAAAAAAAAAAAAAAAAAAAAAAAAAAAZAAAAAEAAABAAAAAAAAAAAAAAAAAAAAAAAAAAAAAAAAAAAAAAAAAAAAAAAAAAAAAAAAAAAAAAAAAAAAAAAAAAAAAAAAAAAAAAAAAAAAAAAAAAAAAAAAAAAAAAAAAAAAAFAAAADwAAAAAAAAAAAAAAAAAAAkUAAAAAQAAABQAAAAUAAAAFAAAAAEAAAAAAAAAZAAAAGQAAAAAAAAAZAAAAGQAAAAVAAAAYAAAAAAAAAAAAAAADwAAACADAAAAAAAAAAAAAAEAAACgMgAAVgcAAKr4//8BAAAAf39/AAEAAABkAAAAAAAAABQAAABAHwAAAAAAACYAAAAAAAAAwOD//wAAAAAmAAAAZAAAABYAAABMAAAAAAAAAAAAAAAEAAAAAAAAAAEAAACAgIAKAAAAACgAAAAoAAAAZAAAAGQAAAAAAAAAzMzMAAAAAABQAAAAUAAAAGQAAABkAAAAAAAAABcAAAAUAAAAAAAAAAAAAAD/fwAA/38AAAAAAAAJAAAABAAAAF8AYAAeAAAAaAAAAAAAAAAAAAAAAAAAAAAAAAAAAAAAECcAABAnAAAAAAAAAAAAAAAAAAAAAAAAAAAAAAAAAAAAAAAAAAAAABQAAAAAAAAAwMD/AAAAAABkAAAAMgAAAAAAAABkAAAAAAAAAH9/fwAKAAAAIgAAABgAAAAAAAAAAAAAAAAAAAAAAAAAAAAAAAAAAAAkAAAAJAAAAAAAAAAHAAAAAAAAAAAAAAAAAAAAAAAAAAAAAAAAAAAAf39/ACUAAABYAAAAAAAAAAAAAAAAAAAAAAAAAAAAAAAAAAAAAAAAAAAAAAAAAAAAAAAAAAAAAAA/AAAAAAAAAKCGAQAAAAAAAAAAAAAAAAAMAAAAAQAAAAAAAAAAAAAAAAAAAB8AAABUAAAAAAAABQAAAAEAAAAAAAAAAAAAAAAAAAAAAAAAAAAAAAAAAAAAAAAAAAAAAAJ/f38AAAAAA8zMzADAwP8Af39/AAAAAAAAAAAAAAAAAAAAAAAAAAAAIQAAABgAAAAUAAAAwAMAANgJAABARwAAsCUAABAAAAAmAAAACAAAAAAAAAAAAAAA"/>
+                <pr:smNativeData xmlns:mc="http://schemas.openxmlformats.org/markup-compatibility/2006" xmlns:p14="http://schemas.microsoft.com/office/powerpoint/2010/main" xmlns:p15="http://schemas.microsoft.com/office/powerpoint/2012/main" xmlns:pr="smNativeData" xmlns="smNativeData" val="SMDATA_15_PhJKaRMAAAAlAAAAZAAAAA0AAAAAkAAAAEgAAACQAAAASAAAAAAAAAAAAAAAAAAAAAEAAABQAAAAAAAAAAAA4D8AAAAAAADgPwAAAAAAAOA/AAAAAAAA4D8AAAAAAADgPwAAAAAAAOA/AAAAAAAA4D8AAAAAAADgPwAAAAAAAOA/AAAAAAAA4D8CAAAAjAAAAAAAAAAAAAAAu+DjDP///wgAAAAAAAAAAAAAAAAAAAAAAAAAAAAAAAAAAAAAZAAAAAEAAABAAAAAAAAAAAAAAAAAAAAAAAAAAAAAAAAAAAAAAAAAAAAAAAAAAAAAAAAAAAAAAAAAAAAAAAAAAAAAAAAAAAAAAAAAAAAAAAAAAAAAAAAAAAAAAAAAAAAAFAAAADwAAAAAAAAAAAAAAAAAAAkUAAAAAQAAABQAAAAUAAAAFAAAAAEAAAAAAAAAZAAAAGQAAAAAAAAAZAAAAGQAAAAVAAAAYAAAAAAAAAAAAAAADwAAACADAAAAAAAAAAAAAAEAAACgMgAAVgcAAKr4//8BAAAAf39/AAEAAABkAAAAAAAAABQAAABAHwAAAAAAACYAAAAAAAAAwOD//wAAAAAmAAAAZAAAABYAAABMAAAAAAAAAAAAAAAEAAAAAAAAAAEAAACAgIAKAAAAACgAAAAoAAAAZAAAAGQAAAAAAAAAzMzMAAAAAABQAAAAUAAAAGQAAABkAAAAAAAAABcAAAAUAAAAAAAAAAAAAAD/fwAA/38AAAAAAAAJAAAABAAAAF8AYAAeAAAAaAAAAAAAAAAAAAAAAAAAAAAAAAAAAAAAECcAABAnAAAAAAAAAAAAAAAAAAAAAAAAAAAAAAAAAAAAAAAAAAAAABQAAAAAAAAAwMD/AAAAAABkAAAAMgAAAAAAAABkAAAAAAAAAH9/fwAKAAAAIgAAABgAAAAAAAAAAAAAAAAAAAAAAAAAAAAAAAAAAAAkAAAAJAAAAAAAAAAHAAAAAAAAAAAAAAAAAAAAAAAAAAAAAAAAAAAAf39/ACUAAABYAAAAAAAAAAAAAAAAAAAAAAAAAAAAAAAAAAAAAAAAAAAAAAAAAAAAAAAAAAAAAAA/AAAAAAAAAKCGAQAAAAAAAAAAAAAAAAAMAAAAAQAAAAAAAAAAAAAAAAAAAB8AAABUAAAAAAAABQAAAAEAAAAAAAAAAAAAAAAAAAAAAAAAAAAAAAAAAAAAAAAAAAAAAAJ/f38AAAAAA8zMzADAwP8Af39/AAAAAAAAAAAAAAAAAAAAAAAAAAAAIQAAABgAAAAUAAAAwAMAANgJAABARwAAchIAABAAAAAmAAAACAAAAAEAAAAAAAAA"/>
               </a:ext>
             </a:extLst>
           </p:cNvSpPr>
@@ -3836,27 +3828,70 @@
             <p:ph type="body" idx="1"/>
           </p:nvPr>
         </p:nvSpPr>
-        <p:spPr/>
-        <p:txBody>
-          <a:bodyPr/>
-          <a:lstStyle/>
-          <a:p>
-            <a:pPr/>
-            <a:r>
-              <a:t>Speech Recognition</a:t>
-            </a:r>
-          </a:p>
-          <a:p>
-            <a:pPr/>
-            <a:r>
-              <a:t>Wave data-to-vector transforms</a:t>
-            </a:r>
-          </a:p>
-          <a:p>
-            <a:pPr/>
-          </a:p>
-          <a:p>
-            <a:pPr/>
+        <p:spPr>
+          <a:xfrm>
+            <a:off x="609600" y="1600200"/>
+            <a:ext cx="10972800" cy="1398270"/>
+          </a:xfrm>
+        </p:spPr>
+        <p:txBody>
+          <a:bodyPr/>
+          <a:lstStyle/>
+          <a:p>
+            <a:r>
+              <a:rPr lang="en-US" cap="none"/>
+              <a:t>Transforms / datasets / models for computer vision</a:t>
+            </a:r>
+          </a:p>
+          <a:p>
+            <a:r>
+              <a:rPr lang="en-US" cap="none"/>
+              <a:t>Models such as:</a:t>
+            </a:r>
+          </a:p>
+          <a:p>
+            <a:pPr lvl="1"/>
+            <a:r>
+              <a:rPr lang="en-US" cap="none"/>
+              <a:t>resnet18: convolutional NN that is 18 layers deep</a:t>
+            </a:r>
+          </a:p>
+          <a:p>
+            <a:pPr lvl="1"/>
+            <a:r>
+              <a:rPr lang="en-US" cap="none"/>
+              <a:t>resnet50, resnet101, etc.</a:t>
+            </a:r>
+          </a:p>
+          <a:p>
+            <a:pPr lvl="1"/>
+            <a:r>
+              <a:rPr lang="en-US" cap="none"/>
+              <a:t>EfficientNet?</a:t>
+            </a:r>
+          </a:p>
+          <a:p>
+            <a:pPr lvl="1"/>
+            <a:r>
+              <a:rPr lang="en-US" cap="none"/>
+              <a:t>Swin Transformers?</a:t>
+            </a:r>
+          </a:p>
+          <a:p>
+            <a:pPr lvl="1"/>
+            <a:endParaRPr lang="en-US" cap="none"/>
+          </a:p>
+          <a:p>
+            <a:pPr marL="0" indent="0">
+              <a:buNone/>
+            </a:pPr>
+            <a:endParaRPr lang="en-US" cap="none"/>
+          </a:p>
+          <a:p>
+            <a:pPr marL="0" indent="0">
+              <a:buNone/>
+            </a:pPr>
+            <a:endParaRPr lang="en-US" cap="none"/>
           </a:p>
         </p:txBody>
       </p:sp>
@@ -3867,7 +3902,7 @@
             <a:spLocks noGrp="1" noChangeArrowheads="1"/>
             <a:extLst>
               <a:ext uri="smNativeData">
-                <pr:smNativeData xmlns:pr="smNativeData" xmlns="smNativeData" val="SMDATA_15_PhJKaRMAAAAlAAAAZAAAAA0AAAAAkAAAAEgAAACQAAAASAAAAAAAAAABAAAAAAAAAAEAAABQAAAAAAAAAAAA4D8AAAAAAADgPwAAAAAAAOA/AAAAAAAA4D8AAAAAAADgPwAAAAAAAOA/AAAAAAAA4D8AAAAAAADgPwAAAAAAAOA/AAAAAAAA4D8CAAAAjAAAAAAAAAAAAAAAu+DjDP///wgAAAAAAAAAAAAAAAAAAAAAAAAAAAAAAAAAAAAAZAAAAAEAAABAAAAAAAAAAAAAAAAAAAAAAAAAAAAAAAAAAAAAAAAAAAAAAAAAAAAAAAAAAAAAAAAAAAAAAAAAAAAAAAAAAAAAAAAAAAAAAAAAAAAAAAAAAAAAAAAAAAAAFAAAADwAAAAAAAAAAAAAAAAAAAkUAAAAAQAAABQAAAAUAAAAFAAAAAEAAAAAAAAAZAAAAGQAAAAAAAAAZAAAAGQAAAAVAAAAYAAAAAAAAAAAAAAADwAAACADAAAAAAAAAAAAAAEAAACgMgAAVgcAAKr4//8BAAAAf39/AAEAAABkAAAAAAAAABQAAABAHwAAAAAAACYAAAAAAAAAwOD//wAAAAAmAAAAZAAAABYAAABMAAAAAAAAAAAAAAAEAAAAAAAAAAEAAACAgIAKAAAAACgAAAAoAAAAZAAAAGQAAAAAAAAAzMzMAAAAAABQAAAAUAAAAGQAAABkAAAAAAAAABcAAAAUAAAAAAAAAAAAAAD/fwAA/38AAAAAAAAJAAAABAAAAAAAAAAeAAAAaAAAAAAAAAAAAAAAAAAAAAAAAAAAAAAAECcAABAnAAAAAAAAAAAAAAAAAAAAAAAAAAAAAAAAAAAAAAAAAAAAABQAAAAAAAAAwMD/AAAAAABkAAAAMgAAAAAAAABkAAAAAAAAAH9/fwAKAAAAIgAAABgAAAAAAAAAAAAAAAAAAAAAAAAAAAAAAAAAAAAkAAAAJAAAAAAAAAAHAAAAAAAAAAAAAAAAAAAAAAAAAAAAAAAAAAAAf39/ACUAAABYAAAAAAAAAAAAAAAAAAAAAAAAAAAAAAAAAAAAAAAAAAAAAAAAAAAAAAAAAAAAAAA/AAAAAAAAAKCGAQAAAAAAAAAAAAAAAAAMAAAAAQAAAAAAAAAAAAAAAAAAAB8AAABUAAAAAAAABQAAAAEAAAAAAAAAAAAAAAAAAAAAAAAAAAAAAAAAAAAAAAAAAAAAAAJ/f38AAAAAA8zMzADAwP8Af39/AAAAAAAAAAAAAAAAAAAAAAAAAAAAIQAAABgAAAAUAAAAwAMAABsnAAA/FQAAWSkAABAAAAAmAAAACAAAAAAAAAAAAAAA"/>
+                <pr:smNativeData xmlns:mc="http://schemas.openxmlformats.org/markup-compatibility/2006" xmlns:p14="http://schemas.microsoft.com/office/powerpoint/2010/main" xmlns:p15="http://schemas.microsoft.com/office/powerpoint/2012/main" xmlns:pr="smNativeData" xmlns="smNativeData" val="SMDATA_15_PhJKaRMAAAAlAAAAZAAAAA0AAAAAkAAAAEgAAACQAAAASAAAAAAAAAABAAAAAAAAAAEAAABQAAAAAAAAAAAA4D8AAAAAAADgPwAAAAAAAOA/AAAAAAAA4D8AAAAAAADgPwAAAAAAAOA/AAAAAAAA4D8AAAAAAADgPwAAAAAAAOA/AAAAAAAA4D8CAAAAjAAAAAAAAAAAAAAAu+DjDP///wgAAAAAAAAAAAAAAAAAAAAAAAAAAAAAAAAAAAAAZAAAAAEAAABAAAAAAAAAAAAAAAAAAAAAAAAAAAAAAAAAAAAAAAAAAAAAAAAAAAAAAAAAAAAAAAAAAAAAAAAAAAAAAAAAAAAAAAAAAAAAAAAAAAAAAAAAAAAAAAAAAAAAFAAAADwAAAAAAAAAAAAAAAAAAAkUAAAAAQAAABQAAAAUAAAAFAAAAAEAAAAAAAAAZAAAAGQAAAAAAAAAZAAAAGQAAAAVAAAAYAAAAAAAAAAAAAAADwAAACADAAAAAAAAAAAAAAEAAACgMgAAVgcAAKr4//8BAAAAf39/AAEAAABkAAAAAAAAABQAAABAHwAAAAAAACYAAAAAAAAAwOD//wAAAAAmAAAAZAAAABYAAABMAAAAAAAAAAAAAAAEAAAAAAAAAAEAAACAgIAKAAAAACgAAAAoAAAAZAAAAGQAAAAAAAAAzMzMAAAAAABQAAAAUAAAAGQAAABkAAAAAAAAABcAAAAUAAAAAAAAAAAAAAD/fwAA/38AAAAAAAAJAAAABAAAAAAAAAAeAAAAaAAAAAAAAAAAAAAAAAAAAAAAAAAAAAAAECcAABAnAAAAAAAAAAAAAAAAAAAAAAAAAAAAAAAAAAAAAAAAAAAAABQAAAAAAAAAwMD/AAAAAABkAAAAMgAAAAAAAABkAAAAAAAAAH9/fwAKAAAAIgAAABgAAAAAAAAAAAAAAAAAAAAAAAAAAAAAAAAAAAAkAAAAJAAAAAAAAAAHAAAAAAAAAAAAAAAAAAAAAAAAAAAAAAAAAAAAf39/ACUAAABYAAAAAAAAAAAAAAAAAAAAAAAAAAAAAAAAAAAAAAAAAAAAAAAAAAAAAAAAAAAAAAA/AAAAAAAAAKCGAQAAAAAAAAAAAAAAAAAMAAAAAQAAAAAAAAAAAAAAAAAAAB8AAABUAAAAAAAABQAAAAEAAAAAAAAAAAAAAAAAAAAAAAAAAAAAAAAAAAAAAAAAAAAAAAJ/f38AAAAAA8zMzADAwP8Af39/AAAAAAAAAAAAAAAAAAAAAAAAAAAAIQAAABgAAAAUAAAAwAMAABsnAAA/FQAAWSkAABAAAAAmAAAACAAAAAAAAAAAAAAA"/>
               </a:ext>
             </a:extLst>
           </p:cNvSpPr>
@@ -3880,12 +3915,11 @@
           <a:bodyPr/>
           <a:lstStyle/>
           <a:p>
-            <a:pPr/>
-            <a:fld id="{0CA782CB-85E1-F274-AF1F-7321CC515926}" type="datetime1">
-              <a:rPr lang="en-us" cap="none"/>
-              <a:t>12/22/2025</a:t>
+            <a:fld id="{0CA7B3A4-EAE1-F245-AF1F-1C10FD515949}" type="datetime1">
+              <a:rPr lang="en-US" cap="none"/>
+              <a:t>12/29/2025</a:t>
             </a:fld>
-            <a:endParaRPr lang="en-us" cap="none"/>
+            <a:endParaRPr lang="en-US" cap="none"/>
           </a:p>
         </p:txBody>
       </p:sp>
@@ -3896,7 +3930,7 @@
             <a:spLocks noGrp="1" noChangeArrowheads="1"/>
             <a:extLst>
               <a:ext uri="smNativeData">
-                <pr:smNativeData xmlns:pr="smNativeData" xmlns="smNativeData" val="SMDATA_15_PhJKaRMAAAAlAAAAZAAAAA0AAAAAkAAAAEgAAACQAAAASAAAAAAAAAABAAAAAAAAAAEAAABQAAAAAAAAAAAA4D8AAAAAAADgPwAAAAAAAOA/AAAAAAAA4D8AAAAAAADgPwAAAAAAAOA/AAAAAAAA4D8AAAAAAADgPwAAAAAAAOA/AAAAAAAA4D8CAAAAjAAAAAAAAAAAAAAAu+DjDP///wgAAAAAAAAAAAAAAAAAAAAAAAAAAAAAAAAAAAAAZAAAAAEAAABAAAAAAAAAAAAAAAAAAAAAAAAAAAAAAAAAAAAAAAAAAAAAAAAAAAAAAAAAAAAAAAAAAAAAAAAAAAAAAAAAAAAAAAAAAAAAAAAAAAAAAAAAAAAAAAAAAAAAFAAAADwAAAAAAAAAAAAAAAAAAAkUAAAAAQAAABQAAAAUAAAAFAAAAAEAAAAAAAAAZAAAAGQAAAAAAAAAZAAAAGQAAAAVAAAAYAAAAAAAAAAAAAAADwAAACADAAAAAAAAAAAAAAEAAACgMgAAVgcAAKr4//8BAAAAf39/AAEAAABkAAAAAAAAABQAAABAHwAAAAAAACYAAAAAAAAAwOD//wAAAAAmAAAAZAAAABYAAABMAAAAAAAAAAAAAAAEAAAAAAAAAAEAAACAgIAKAAAAACgAAAAoAAAAZAAAAGQAAAAAAAAAzMzMAAAAAABQAAAAUAAAAGQAAABkAAAAAAAAABcAAAAUAAAAAAAAAAAAAAD/fwAA/38AAAAAAAAJAAAABAAAAAAAAAAeAAAAaAAAAAAAAAAAAAAAAAAAAAAAAAAAAAAAECcAABAnAAAAAAAAAAAAAAAAAAAAAAAAAAAAAAAAAAAAAAAAAAAAABQAAAAAAAAAwMD/AAAAAABkAAAAMgAAAAAAAABkAAAAAAAAAH9/fwAKAAAAIgAAABgAAAAAAAAAAAAAAAAAAAAAAAAAAAAAAAAAAAAkAAAAJAAAAAAAAAAHAAAAAAAAAAAAAAAAAAAAAAAAAAAAAAAAAAAAf39/ACUAAABYAAAAAAAAAAAAAAAAAAAAAAAAAAAAAAAAAAAAAAAAAAAAAAAAAAAAAAAAAAAAAAA/AAAAAAAAAKCGAQAAAAAAAAAAAAAAAAAMAAAAAQAAAAAAAAAAAAAAAAAAAB8AAABUAAAAAAAABQAAAAEAAAAAAAAAAAAAAAAAAAAAAAAAAAAAAAAAAAAAAAAAAAAAAAJ/f38AAAAAA8zMzADAwP8Af39/AAAAAAAAAAAAAAAAAAAAAAAAAAAAIQAAABgAAAAUAAAAwTUAABsnAABARwAAWSkAABAAAAAmAAAACAAAAAAAAAAAAAAA"/>
+                <pr:smNativeData xmlns:mc="http://schemas.openxmlformats.org/markup-compatibility/2006" xmlns:p14="http://schemas.microsoft.com/office/powerpoint/2010/main" xmlns:p15="http://schemas.microsoft.com/office/powerpoint/2012/main" xmlns:pr="smNativeData" xmlns="smNativeData" val="SMDATA_15_PhJKaRMAAAAlAAAAZAAAAA0AAAAAkAAAAEgAAACQAAAASAAAAAAAAAABAAAAAAAAAAEAAABQAAAAAAAAAAAA4D8AAAAAAADgPwAAAAAAAOA/AAAAAAAA4D8AAAAAAADgPwAAAAAAAOA/AAAAAAAA4D8AAAAAAADgPwAAAAAAAOA/AAAAAAAA4D8CAAAAjAAAAAAAAAAAAAAAu+DjDP///wgAAAAAAAAAAAAAAAAAAAAAAAAAAAAAAAAAAAAAZAAAAAEAAABAAAAAAAAAAAAAAAAAAAAAAAAAAAAAAAAAAAAAAAAAAAAAAAAAAAAAAAAAAAAAAAAAAAAAAAAAAAAAAAAAAAAAAAAAAAAAAAAAAAAAAAAAAAAAAAAAAAAAFAAAADwAAAAAAAAAAAAAAAAAAAkUAAAAAQAAABQAAAAUAAAAFAAAAAEAAAAAAAAAZAAAAGQAAAAAAAAAZAAAAGQAAAAVAAAAYAAAAAAAAAAAAAAADwAAACADAAAAAAAAAAAAAAEAAACgMgAAVgcAAKr4//8BAAAAf39/AAEAAABkAAAAAAAAABQAAABAHwAAAAAAACYAAAAAAAAAwOD//wAAAAAmAAAAZAAAABYAAABMAAAAAAAAAAAAAAAEAAAAAAAAAAEAAACAgIAKAAAAACgAAAAoAAAAZAAAAGQAAAAAAAAAzMzMAAAAAABQAAAAUAAAAGQAAABkAAAAAAAAABcAAAAUAAAAAAAAAAAAAAD/fwAA/38AAAAAAAAJAAAABAAAAPcgBUUeAAAAaAAAAAAAAAAAAAAAAAAAAAAAAAAAAAAAECcAABAnAAAAAAAAAAAAAAAAAAAAAAAAAAAAAAAAAAAAAAAAAAAAABQAAAAAAAAAwMD/AAAAAABkAAAAMgAAAAAAAABkAAAAAAAAAH9/fwAKAAAAIgAAABgAAAAAAAAAAAAAAAAAAAAAAAAAAAAAAAAAAAAkAAAAJAAAAAAAAAAHAAAAAAAAAAAAAAAAAAAAAAAAAAAAAAAAAAAAf39/ACUAAABYAAAAAAAAAAAAAAAAAAAAAAAAAAAAAAAAAAAAAAAAAAAAAAAAAAAAAAAAAAAAAAA/AAAAAAAAAKCGAQAAAAAAAAAAAAAAAAAMAAAAAQAAAAAAAAAAAAAAAAAAAB8AAABUAAAAAAAABQAAAAEAAAAAAAAAAAAAAAAAAAAAAAAAAAAAAAAAAAAAAAAAAAAAAAJ/f38AAAAAA8zMzADAwP8Af39/AAAAAAAAAAAAAAAAAAAAAAAAAAAAIQAAABgAAAAUAAAAwTUAABsnAABARwAAWSkAABAAAAAmAAAACAAAAAAAAAAAAAAA"/>
               </a:ext>
             </a:extLst>
           </p:cNvSpPr>
@@ -3909,12 +3943,78 @@
           <a:bodyPr/>
           <a:lstStyle/>
           <a:p>
-            <a:pPr/>
-            <a:fld id="{0CA7D267-29E1-F224-AF1F-DF719C51598A}" type="slidenum">
-              <a:rPr lang="en-us" cap="none"/>
-              <a:t>9</a:t>
+            <a:fld id="{0CA7938C-C2E1-F265-AF1F-3430DD515961}" type="slidenum">
+              <a:rPr lang="en-US" cap="none"/>
+              <a:t>10</a:t>
             </a:fld>
-            <a:endParaRPr lang="en-us" cap="none"/>
+            <a:endParaRPr lang="en-US" cap="none"/>
+          </a:p>
+        </p:txBody>
+      </p:sp>
+      <p:sp>
+        <p:nvSpPr>
+          <p:cNvPr id="6" name="TextBox 5"/>
+          <p:cNvSpPr>
+            <a:extLst>
+              <a:ext uri="smNativeData">
+                <pr:smNativeData xmlns:mc="http://schemas.openxmlformats.org/markup-compatibility/2006" xmlns:p14="http://schemas.microsoft.com/office/powerpoint/2010/main" xmlns:p15="http://schemas.microsoft.com/office/powerpoint/2012/main" xmlns:pr="smNativeData" xmlns="smNativeData" val="SMDATA_15_PhJKaRMAAAAlAAAAZAAAAE0AAAAAkAAAAEgAAACQAAAASAAAAAAAAAAAAAAAAAAAAAEAAABQAAAAAAAAAAAA4D8AAAAAAADgPwAAAAAAAOA/AAAAAAAA4D8AAAAAAADgPwAAAAAAAOA/AAAAAAAA4D8AAAAAAADgPwAAAAAAAOA/AAAAAAAA4D8CAAAAjAAAAAAAAAAAAAAAu+DjDP///wgAAAAAAAAAAAAAAAAAAAAAAAAAAAAAAAAAAAAAZAAAAAEAAABAAAAAAAAAAAAAAAAAAAAAAAAAAAAAAAAAAAAAAAAAAAAAAAAAAAAAAAAAAAAAAAAAAAAAAAAAAAAAAAAAAAAAAAAAAAAAAAAAAAAAAAAAAAAAAAAAAAAAFAAAADwAAAAAAAAAAAAAAAAAAAAPAAAAAQAAACMAAAAjAAAAIwAAAB4AAAAAAAAAZAAAAGQAAAAAAAAAZAAAAGQAAAAVAAAAYAAAAAAAAAAAAAAADwAAACADAAAAAAAAAAAAAAEAAACgMgAAVgcAAKr4//8BAAAAf39/AAEAAABkAAAAAAAAABQAAABAHwAAAAAAACYAAAAAAAAAwOD//wAAAAAmAAAAZAAAABYAAABMAAAAAAAAAAAAAAAEAAAAAAAAAAEAAACAgIAKAAAAACgAAAAoAAAAZAAAAGQAAAAAAAAAzMzMAAAAAABQAAAAUAAAAGQAAABkAAAAAAAAABcAAAAUAAAAAAAAAAAAAAD/fwAA/38AAAAAAAAJAAAABAAAAF8AYAAeAAAAaAAAAAAAAAAAAAAAAAAAAAAAAAAAAAAAECcAABAnAAAAAAAAAAAAAAAAAAAAAAAAAAAAAAAAAAAAAAAAAAAAABQAAAAAAAAAwMD/AAAAAABkAAAAMgAAAAAAAABkAAAAAAAAAH9/fwAKAAAAIgAAABgAAAAAAAAAAAAAAAAAAAAAAAAAAAAAAAAAAAAkAAAAJAAAAAAAAAAHAAAAAAAAAAAAAAAAAAAAAAAAAAAAAAAAAAAAf39/ACUAAABYAAAAAAAAAAAAAAAAAAAAAAAAAAAAAAAAAAAAAAAAAAAAAAAAAAAAAAAAAAAAAAA/AAAAAAAAAKCGAQAAAAAAAAAAAAAAAAAMAAAAAQAAAAAAAAAAAAAAAAAAAB8AAABUAAAAu+DjBf///wEAAAAAAAAAAAAAAAAAAAAAAAAAAAAAAAAAAAAAAAAAAAAAAAB/f38AgICAA8zMzADAwP8Af39/AAAAAAAAAAAAAAAAAAAAAAAAAAAAIQAAABgAAAAUAAAA1gQAAEYbAABwJAAAESYAABAgAAAmAAAACAAAAP//////////"/>
+              </a:ext>
+            </a:extLst>
+          </p:cNvSpPr>
+          <p:nvPr/>
+        </p:nvSpPr>
+        <p:spPr>
+          <a:xfrm>
+            <a:off x="786130" y="4433570"/>
+            <a:ext cx="5137150" cy="1754505"/>
+          </a:xfrm>
+          <a:prstGeom prst="rect">
+            <a:avLst/>
+          </a:prstGeom>
+          <a:noFill/>
+          <a:ln>
+            <a:noFill/>
+          </a:ln>
+          <a:effectLst/>
+        </p:spPr>
+        <p:txBody>
+          <a:bodyPr vert="horz" wrap="none" lIns="91440" tIns="45720" rIns="91440" bIns="45720" numCol="1" spcCol="215900" anchor="t"/>
+          <a:lstStyle/>
+          <a:p>
+            <a:r>
+              <a:rPr lang="en-US" cap="none"/>
+              <a:t>transform = transforms.Compose([</a:t>
+            </a:r>
+          </a:p>
+          <a:p>
+            <a:r>
+              <a:rPr lang="en-US" cap="none"/>
+              <a:t>    transforms.Resize((img_size, img_size)),</a:t>
+            </a:r>
+          </a:p>
+          <a:p>
+            <a:r>
+              <a:rPr lang="en-US" cap="none"/>
+              <a:t>    transforms.ToTensor(),</a:t>
+            </a:r>
+          </a:p>
+          <a:p>
+            <a:r>
+              <a:rPr lang="en-US" cap="none"/>
+              <a:t>    transforms.Normalize(mean=[0.485, 0.456, 0.406],</a:t>
+            </a:r>
+          </a:p>
+          <a:p>
+            <a:r>
+              <a:rPr lang="en-US" cap="none"/>
+              <a:t>                         std=[0.229, 0.224, 0.225]),</a:t>
+            </a:r>
+          </a:p>
+          <a:p>
+            <a:r>
+              <a:rPr lang="en-US" cap="none"/>
+              <a:t>])</a:t>
+            </a:r>
           </a:p>
         </p:txBody>
       </p:sp>
@@ -3934,7 +4034,7 @@
 </file>
 
 <file path=ppt/slides/slide11.xml><?xml version="1.0" encoding="utf-8"?>
-<p:sld xmlns:p="http://schemas.openxmlformats.org/presentationml/2006/main" xmlns:mc="http://schemas.openxmlformats.org/markup-compatibility/2006" xmlns:p14="http://schemas.microsoft.com/office/powerpoint/2010/main" xmlns:p15="http://schemas.microsoft.com/office/powerpoint/2012/main" xmlns:r="http://schemas.openxmlformats.org/officeDocument/2006/relationships" xmlns:a="http://schemas.openxmlformats.org/drawingml/2006/main" mc:Ignorable="p14">
+<p:sld xmlns:a="http://schemas.openxmlformats.org/drawingml/2006/main" xmlns:r="http://schemas.openxmlformats.org/officeDocument/2006/relationships" xmlns:p="http://schemas.openxmlformats.org/presentationml/2006/main">
   <p:cSld>
     <p:spTree>
       <p:nvGrpSpPr>
@@ -3952,12 +4052,12 @@
       </p:grpSpPr>
       <p:sp>
         <p:nvSpPr>
-          <p:cNvPr id="2" name="SlideTitle1"/>
-          <p:cNvSpPr>
-            <a:spLocks noGrp="1" noChangeArrowheads="1"/>
-            <a:extLst>
-              <a:ext uri="smNativeData">
-                <pr:smNativeData xmlns:pr="smNativeData" xmlns="smNativeData" val="SMDATA_15_PhJKaRMAAAAlAAAAZAAAAA0AAAAAkAAAAEgAAACQAAAASAAAAAAAAAABAAAAAAAAAAEAAABQAAAAAAAAAAAA4D8AAAAAAADgPwAAAAAAAOA/AAAAAAAA4D8AAAAAAADgPwAAAAAAAOA/AAAAAAAA4D8AAAAAAADgPwAAAAAAAOA/AAAAAAAA4D8CAAAAjAAAAAAAAAAAAAAAu+DjDP///wgAAAAAAAAAAAAAAAAAAAAAAAAAAAAAAAAAAAAAZAAAAAEAAABAAAAAAAAAAAAAAAAAAAAAAAAAAAAAAAAAAAAAAAAAAAAAAAAAAAAAAAAAAAAAAAAAAAAAAAAAAAAAAAAAAAAAAAAAAAAAAAAAAAAAAAAAAAAAAAAAAAAAFAAAADwAAAAAAAAAAAAAAAAAAAkUAAAAAQAAABQAAAAUAAAAFAAAAAEAAAAAAAAAZAAAAGQAAAAAAAAAZAAAAGQAAAAVAAAAYAAAAAAAAAAAAAAADwAAACADAAAAAAAAAAAAAAEAAACgMgAAVgcAAKr4//8BAAAAf39/AAEAAABkAAAAAAAAABQAAABAHwAAAAAAACYAAAAAAAAAwOD//wAAAAAmAAAAZAAAABYAAABMAAAAAAAAAAAAAAAEAAAAAAAAAAEAAACAgIAKAAAAACgAAAAoAAAAZAAAAGQAAAAAAAAAzMzMAAAAAABQAAAAUAAAAGQAAABkAAAAAAAAABcAAAAUAAAAAAAAAAAAAAD/fwAA/38AAAAAAAAJAAAABAAAAAAAAAAeAAAAaAAAAAAAAAAAAAAAAAAAAAAAAAAAAAAAECcAABAnAAAAAAAAAAAAAAAAAAAAAAAAAAAAAAAAAAAAAAAAAAAAABQAAAAAAAAAwMD/AAAAAABkAAAAMgAAAAAAAABkAAAAAAAAAH9/fwAKAAAAIgAAABgAAAAAAAAAAAAAAAAAAAAAAAAAAAAAAAAAAAAkAAAAJAAAAAAAAAAHAAAAAAAAAAAAAAAAAAAAAAAAAAAAAAAAAAAAf39/ACUAAABYAAAAAAAAAAAAAAAAAAAAAAAAAAAAAAAAAAAAAAAAAAAAAAAAAAAAAAAAAAAAAAA/AAAAAAAAAKCGAQAAAAAAAAAAAAAAAAAMAAAAAQAAAAAAAAAAAAAAAAAAAB8AAABUAAAAAAAABQAAAAEAAAAAAAAAAAAAAAAAAAAAAAAAAAAAAAAAAAAAAAAAAAAAAAJ/f38AAAAAA8zMzADAwP8Af39/AAAAAAAAAAAAAAAAAAAAAAAAAAAAIQAAABgAAAAUAAAAwAMAALABAABARwAAuAgAABAAAAAmAAAACAAAAAAAAAAAAAAA"/>
+          <p:cNvPr id="2" name="Title 1"/>
+          <p:cNvSpPr>
+            <a:spLocks noGrp="1" noChangeArrowheads="1"/>
+            <a:extLst>
+              <a:ext uri="smNativeData">
+                <pr:smNativeData xmlns:mc="http://schemas.openxmlformats.org/markup-compatibility/2006" xmlns:p14="http://schemas.microsoft.com/office/powerpoint/2010/main" xmlns:p15="http://schemas.microsoft.com/office/powerpoint/2012/main" xmlns:pr="smNativeData" xmlns="smNativeData" val="SMDATA_15_PhJKaRMAAAAlAAAAZAAAAA0AAAAAkAAAAEgAAACQAAAASAAAAAAAAAABAAAAAAAAAAEAAABQAAAAAAAAAAAA4D8AAAAAAADgPwAAAAAAAOA/AAAAAAAA4D8AAAAAAADgPwAAAAAAAOA/AAAAAAAA4D8AAAAAAADgPwAAAAAAAOA/AAAAAAAA4D8CAAAAjAAAAAAAAAAAAAAAu+DjDP///wgAAAAAAAAAAAAAAAAAAAAAAAAAAAAAAAAAAAAAZAAAAAEAAABAAAAAAAAAAAAAAAAAAAAAAAAAAAAAAAAAAAAAAAAAAAAAAAAAAAAAAAAAAAAAAAAAAAAAAAAAAAAAAAAAAAAAAAAAAAAAAAAAAAAAAAAAAAAAAAAAAAAAFAAAADwAAAAAAAAAAAAAAAAAAAkUAAAAAQAAABQAAAAUAAAAFAAAAAEAAAAAAAAAZAAAAGQAAAAAAAAAZAAAAGQAAAAVAAAAYAAAAAAAAAAAAAAADwAAACADAAAAAAAAAAAAAAEAAACgMgAAVgcAAKr4//8BAAAAf39/AAEAAABkAAAAAAAAABQAAABAHwAAAAAAACYAAAAAAAAAwOD//wAAAAAmAAAAZAAAABYAAABMAAAAAAAAAAAAAAAEAAAAAAAAAAEAAACAgIAKAAAAACgAAAAoAAAAZAAAAGQAAAAAAAAAzMzMAAAAAABQAAAAUAAAAGQAAABkAAAAAAAAABcAAAAUAAAAAAAAAAAAAAD/fwAA/38AAAAAAAAJAAAABAAAAF8AYAAeAAAAaAAAAAAAAAAAAAAAAAAAAAAAAAAAAAAAECcAABAnAAAAAAAAAAAAAAAAAAAAAAAAAAAAAAAAAAAAAAAAAAAAABQAAAAAAAAAwMD/AAAAAABkAAAAMgAAAAAAAABkAAAAAAAAAH9/fwAKAAAAIgAAABgAAAAAAAAAAAAAAAAAAAAAAAAAAAAAAAAAAAAkAAAAJAAAAAAAAAAHAAAAAAAAAAAAAAAAAAAAAAAAAAAAAAAAAAAAf39/ACUAAABYAAAAAAAAAAAAAAAAAAAAAAAAAAAAAAAAAAAAAAAAAAAAAAAAAAAAAAAAAAAAAAA/AAAAAAAAAKCGAQAAAAAAAAAAAAAAAAAMAAAAAQAAAAAAAAAAAAAAAAAAAB8AAABUAAAAAAAABQAAAAEAAAAAAAAAAAAAAAAAAAAAAAAAAAAAAAAAAAAAAAAAAAAAAAJ/f38AAAAAA8zMzADAwP8Af39/AAAAAAAAAAAAAAAAAAAAAAAAAAAAIQAAABgAAAAUAAAAwAMAALABAABARwAAuAgAABAAAAAmAAAACAAAAAAAAAAAAAAA"/>
               </a:ext>
             </a:extLst>
           </p:cNvSpPr>
@@ -3970,21 +4070,21 @@
           <a:bodyPr/>
           <a:lstStyle/>
           <a:p>
-            <a:pPr/>
-            <a:r>
-              <a:t>CNN = Convolutional Neural Net</a:t>
-            </a:r>
-          </a:p>
-        </p:txBody>
-      </p:sp>
-      <p:sp>
-        <p:nvSpPr>
-          <p:cNvPr id="3" name="SlideText1"/>
-          <p:cNvSpPr>
-            <a:spLocks noGrp="1" noChangeArrowheads="1"/>
-            <a:extLst>
-              <a:ext uri="smNativeData">
-                <pr:smNativeData xmlns:pr="smNativeData" xmlns="smNativeData" val="SMDATA_15_PhJKaRMAAAAlAAAAZAAAAA0AAAAAkAAAAEgAAACQAAAASAAAAAAAAAAAAAAAAAAAAAEAAABQAAAAAAAAAAAA4D8AAAAAAADgPwAAAAAAAOA/AAAAAAAA4D8AAAAAAADgPwAAAAAAAOA/AAAAAAAA4D8AAAAAAADgPwAAAAAAAOA/AAAAAAAA4D8CAAAAjAAAAAAAAAAAAAAAu+DjDP///wgAAAAAAAAAAAAAAAAAAAAAAAAAAAAAAAAAAAAAZAAAAAEAAABAAAAAAAAAAAAAAAAAAAAAAAAAAAAAAAAAAAAAAAAAAAAAAAAAAAAAAAAAAAAAAAAAAAAAAAAAAAAAAAAAAAAAAAAAAAAAAAAAAAAAAAAAAAAAAAAAAAAAFAAAADwAAAAAAAAAAAAAAAAAAAkUAAAAAQAAABQAAAAUAAAAFAAAAAEAAAAAAAAAZAAAAGQAAAAAAAAAZAAAAGQAAAAVAAAAYAAAAAAAAAAAAAAADwAAACADAAAAAAAAAAAAAAEAAACgMgAAVgcAAKr4//8BAAAAf39/AAEAAABkAAAAAAAAABQAAABAHwAAAAAAACYAAAAAAAAAwOD//wAAAAAmAAAAZAAAABYAAABMAAAAAAAAAAAAAAAEAAAAAAAAAAEAAACAgIAKAAAAACgAAAAoAAAAZAAAAGQAAAAAAAAAzMzMAAAAAABQAAAAUAAAAGQAAABkAAAAAAAAABcAAAAUAAAAAAAAAAAAAAD/fwAA/38AAAAAAAAJAAAABAAAAF8AYAAeAAAAaAAAAAAAAAAAAAAAAAAAAAAAAAAAAAAAECcAABAnAAAAAAAAAAAAAAAAAAAAAAAAAAAAAAAAAAAAAAAAAAAAABQAAAAAAAAAwMD/AAAAAABkAAAAMgAAAAAAAABkAAAAAAAAAH9/fwAKAAAAIgAAABgAAAAAAAAAAAAAAAAAAAAAAAAAAAAAAAAAAAAkAAAAJAAAAAAAAAAHAAAAAAAAAAAAAAAAAAAAAAAAAAAAAAAAAAAAf39/ACUAAABYAAAAAAAAAAAAAAAAAAAAAAAAAAAAAAAAAAAAAAAAAAAAAAAAAAAAAAAAAAAAAAA/AAAAAAAAAKCGAQAAAAAAAAAAAAAAAAAMAAAAAQAAAAAAAAAAAAAAAAAAAB8AAABUAAAAAAAABQAAAAEAAAAAAAAAAAAAAAAAAAAAAAAAAAAAAAAAAAAAAAAAAAAAAAJ/f38AAAAAA8zMzADAwP8Af39/AAAAAAAAAAAAAAAAAAAAAAAAAAAAIQAAABgAAAAUAAAAwAMAANgJAABARwAAsCUAABAAAAAmAAAACAAAAAAAAAAAAAAA"/>
+            <a:r>
+              <a:rPr lang="en-US" cap="none"/>
+              <a:t>TorchAudio</a:t>
+            </a:r>
+          </a:p>
+        </p:txBody>
+      </p:sp>
+      <p:sp>
+        <p:nvSpPr>
+          <p:cNvPr id="3" name="Content Placeholder 2"/>
+          <p:cNvSpPr>
+            <a:spLocks noGrp="1" noChangeArrowheads="1"/>
+            <a:extLst>
+              <a:ext uri="smNativeData">
+                <pr:smNativeData xmlns:mc="http://schemas.openxmlformats.org/markup-compatibility/2006" xmlns:p14="http://schemas.microsoft.com/office/powerpoint/2010/main" xmlns:p15="http://schemas.microsoft.com/office/powerpoint/2012/main" xmlns:pr="smNativeData" xmlns="smNativeData" val="SMDATA_15_PhJKaRMAAAAlAAAAZAAAAA0AAAAAkAAAAEgAAACQAAAASAAAAAAAAAAAAAAAAAAAAAEAAABQAAAAAAAAAAAA4D8AAAAAAADgPwAAAAAAAOA/AAAAAAAA4D8AAAAAAADgPwAAAAAAAOA/AAAAAAAA4D8AAAAAAADgPwAAAAAAAOA/AAAAAAAA4D8CAAAAjAAAAAAAAAAAAAAAu+DjDP///wgAAAAAAAAAAAAAAAAAAAAAAAAAAAAAAAAAAAAAZAAAAAEAAABAAAAAAAAAAAAAAAAAAAAAAAAAAAAAAAAAAAAAAAAAAAAAAAAAAAAAAAAAAAAAAAAAAAAAAAAAAAAAAAAAAAAAAAAAAAAAAAAAAAAAAAAAAAAAAAAAAAAAFAAAADwAAAAAAAAAAAAAAAAAAAkUAAAAAQAAABQAAAAUAAAAFAAAAAEAAAAAAAAAZAAAAGQAAAAAAAAAZAAAAGQAAAAVAAAAYAAAAAAAAAAAAAAADwAAACADAAAAAAAAAAAAAAEAAACgMgAAVgcAAKr4//8BAAAAf39/AAEAAABkAAAAAAAAABQAAABAHwAAAAAAACYAAAAAAAAAwOD//wAAAAAmAAAAZAAAABYAAABMAAAAAAAAAAAAAAAEAAAAAAAAAAEAAACAgIAKAAAAACgAAAAoAAAAZAAAAGQAAAAAAAAAzMzMAAAAAABQAAAAUAAAAGQAAABkAAAAAAAAABcAAAAUAAAAAAAAAAAAAAD/fwAA/38AAAAAAAAJAAAABAAAAF8AYAAeAAAAaAAAAAAAAAAAAAAAAAAAAAAAAAAAAAAAECcAABAnAAAAAAAAAAAAAAAAAAAAAAAAAAAAAAAAAAAAAAAAAAAAABQAAAAAAAAAwMD/AAAAAABkAAAAMgAAAAAAAABkAAAAAAAAAH9/fwAKAAAAIgAAABgAAAAAAAAAAAAAAAAAAAAAAAAAAAAAAAAAAAAkAAAAJAAAAAAAAAAHAAAAAAAAAAAAAAAAAAAAAAAAAAAAAAAAAAAAf39/ACUAAABYAAAAAAAAAAAAAAAAAAAAAAAAAAAAAAAAAAAAAAAAAAAAAAAAAAAAAAAAAAAAAAA/AAAAAAAAAKCGAQAAAAAAAAAAAAAAAAAMAAAAAQAAAAAAAAAAAAAAAAAAAB8AAABUAAAAAAAABQAAAAEAAAAAAAAAAAAAAAAAAAAAAAAAAAAAAAAAAAAAAAAAAAAAAAJ/f38AAAAAA8zMzADAwP8Af39/AAAAAAAAAAAAAAAAAAAAAAAAAAAAIQAAABgAAAAUAAAAwAMAANgJAABARwAAsCUAABAAAAAmAAAACAAAAAAAAAAAAAAA"/>
               </a:ext>
             </a:extLst>
           </p:cNvSpPr>
@@ -3997,87 +4097,76 @@
           <a:bodyPr/>
           <a:lstStyle/>
           <a:p>
-            <a:pPr>
-              <a:defRPr sz="2800" cap="none"/>
-            </a:pPr>
-            <a:r>
-              <a:t>Convolution combines two math functions to produce a third</a:t>
-            </a:r>
-          </a:p>
-          <a:p>
-            <a:pPr lvl="1">
-              <a:defRPr sz="2400" cap="none"/>
-            </a:pPr>
-            <a:r>
-              <a:t>Conv2D is used for 2D-image convolution</a:t>
-            </a:r>
-          </a:p>
-          <a:p>
-            <a:pPr>
-              <a:defRPr sz="2800" cap="none"/>
-            </a:pPr>
-            <a:r>
-              <a:t>In image recognition, images are filtered for various features</a:t>
-            </a:r>
-          </a:p>
-          <a:p>
-            <a:pPr lvl="1">
-              <a:defRPr sz="2400" cap="none"/>
-            </a:pPr>
-            <a:r>
-              <a:t>Kernels = learnable filters that are adjusted during training</a:t>
-            </a:r>
-          </a:p>
-          <a:p>
-            <a:pPr lvl="1">
-              <a:defRPr sz="2400" cap="none"/>
-            </a:pPr>
-            <a:r>
-              <a:t>Detect on the filtered image (ReLU)</a:t>
-            </a:r>
-          </a:p>
-          <a:p>
-            <a:pPr>
-              <a:defRPr sz="2800" cap="none"/>
-            </a:pPr>
-            <a:r>
-              <a:t>The filters/kernels are slid over the input image to create a product at each position, followed by summation to produce an output feature map</a:t>
-            </a:r>
-          </a:p>
-          <a:p>
-            <a:pPr>
-              <a:defRPr sz="2800" cap="none"/>
-            </a:pPr>
-            <a:r>
-              <a:t>bias = offsets or shift adjustment</a:t>
-            </a:r>
-          </a:p>
-          <a:p>
-            <a:pPr>
-              <a:defRPr sz="2800" cap="none"/>
-            </a:pPr>
-            <a:r>
-              <a:t>CNN usually uses multiple filters simultaneously</a:t>
-            </a:r>
-          </a:p>
-          <a:p>
-            <a:pPr lvl="1">
-              <a:defRPr sz="2400" cap="none"/>
-            </a:pPr>
-            <a:r>
-              <a:t>Many features in each layer</a:t>
-            </a:r>
-          </a:p>
-          <a:p>
-            <a:pPr lvl="1"/>
-            <a:r>
-              <a:rPr sz="2400" cap="none"/>
-              <a:t>Many layers allow complex heirarchical combos of features</a:t>
-            </a:r>
-            <a:endParaRPr sz="2400" cap="none"/>
-          </a:p>
-          <a:p>
-            <a:pPr lvl="1"/>
+            <a:r>
+              <a:t>Speech Recognition</a:t>
+            </a:r>
+          </a:p>
+          <a:p>
+            <a:r>
+              <a:t>Wave data-to-vector transforms</a:t>
+            </a:r>
+          </a:p>
+          <a:p>
+            <a:endParaRPr/>
+          </a:p>
+          <a:p>
+            <a:endParaRPr/>
+          </a:p>
+        </p:txBody>
+      </p:sp>
+      <p:sp>
+        <p:nvSpPr>
+          <p:cNvPr id="4" name="Date Placeholder 3"/>
+          <p:cNvSpPr>
+            <a:spLocks noGrp="1" noChangeArrowheads="1"/>
+            <a:extLst>
+              <a:ext uri="smNativeData">
+                <pr:smNativeData xmlns:mc="http://schemas.openxmlformats.org/markup-compatibility/2006" xmlns:p14="http://schemas.microsoft.com/office/powerpoint/2010/main" xmlns:p15="http://schemas.microsoft.com/office/powerpoint/2012/main" xmlns:pr="smNativeData" xmlns="smNativeData" val="SMDATA_15_PhJKaRMAAAAlAAAAZAAAAA0AAAAAkAAAAEgAAACQAAAASAAAAAAAAAABAAAAAAAAAAEAAABQAAAAAAAAAAAA4D8AAAAAAADgPwAAAAAAAOA/AAAAAAAA4D8AAAAAAADgPwAAAAAAAOA/AAAAAAAA4D8AAAAAAADgPwAAAAAAAOA/AAAAAAAA4D8CAAAAjAAAAAAAAAAAAAAAu+DjDP///wgAAAAAAAAAAAAAAAAAAAAAAAAAAAAAAAAAAAAAZAAAAAEAAABAAAAAAAAAAAAAAAAAAAAAAAAAAAAAAAAAAAAAAAAAAAAAAAAAAAAAAAAAAAAAAAAAAAAAAAAAAAAAAAAAAAAAAAAAAAAAAAAAAAAAAAAAAAAAAAAAAAAAFAAAADwAAAAAAAAAAAAAAAAAAAkUAAAAAQAAABQAAAAUAAAAFAAAAAEAAAAAAAAAZAAAAGQAAAAAAAAAZAAAAGQAAAAVAAAAYAAAAAAAAAAAAAAADwAAACADAAAAAAAAAAAAAAEAAACgMgAAVgcAAKr4//8BAAAAf39/AAEAAABkAAAAAAAAABQAAABAHwAAAAAAACYAAAAAAAAAwOD//wAAAAAmAAAAZAAAABYAAABMAAAAAAAAAAAAAAAEAAAAAAAAAAEAAACAgIAKAAAAACgAAAAoAAAAZAAAAGQAAAAAAAAAzMzMAAAAAABQAAAAUAAAAGQAAABkAAAAAAAAABcAAAAUAAAAAAAAAAAAAAD/fwAA/38AAAAAAAAJAAAABAAAAAAAAAAeAAAAaAAAAAAAAAAAAAAAAAAAAAAAAAAAAAAAECcAABAnAAAAAAAAAAAAAAAAAAAAAAAAAAAAAAAAAAAAAAAAAAAAABQAAAAAAAAAwMD/AAAAAABkAAAAMgAAAAAAAABkAAAAAAAAAH9/fwAKAAAAIgAAABgAAAAAAAAAAAAAAAAAAAAAAAAAAAAAAAAAAAAkAAAAJAAAAAAAAAAHAAAAAAAAAAAAAAAAAAAAAAAAAAAAAAAAAAAAf39/ACUAAABYAAAAAAAAAAAAAAAAAAAAAAAAAAAAAAAAAAAAAAAAAAAAAAAAAAAAAAAAAAAAAAA/AAAAAAAAAKCGAQAAAAAAAAAAAAAAAAAMAAAAAQAAAAAAAAAAAAAAAAAAAB8AAABUAAAAAAAABQAAAAEAAAAAAAAAAAAAAAAAAAAAAAAAAAAAAAAAAAAAAAAAAAAAAAJ/f38AAAAAA8zMzADAwP8Af39/AAAAAAAAAAAAAAAAAAAAAAAAAAAAIQAAABgAAAAUAAAAwAMAABsnAAA/FQAAWSkAABAAAAAmAAAACAAAAAAAAAAAAAAA"/>
+              </a:ext>
+            </a:extLst>
+          </p:cNvSpPr>
+          <p:nvPr>
+            <p:ph type="dt" sz="quarter" idx="10"/>
+          </p:nvPr>
+        </p:nvSpPr>
+        <p:spPr/>
+        <p:txBody>
+          <a:bodyPr/>
+          <a:lstStyle/>
+          <a:p>
+            <a:fld id="{0CA782CB-85E1-F274-AF1F-7321CC515926}" type="datetime1">
+              <a:rPr lang="en-US" cap="none"/>
+              <a:t>12/29/2025</a:t>
+            </a:fld>
+            <a:endParaRPr lang="en-US" cap="none"/>
+          </a:p>
+        </p:txBody>
+      </p:sp>
+      <p:sp>
+        <p:nvSpPr>
+          <p:cNvPr id="5" name="Slide Number Placeholder 4"/>
+          <p:cNvSpPr>
+            <a:spLocks noGrp="1" noChangeArrowheads="1"/>
+            <a:extLst>
+              <a:ext uri="smNativeData">
+                <pr:smNativeData xmlns:mc="http://schemas.openxmlformats.org/markup-compatibility/2006" xmlns:p14="http://schemas.microsoft.com/office/powerpoint/2010/main" xmlns:p15="http://schemas.microsoft.com/office/powerpoint/2012/main" xmlns:pr="smNativeData" xmlns="smNativeData" val="SMDATA_15_PhJKaRMAAAAlAAAAZAAAAA0AAAAAkAAAAEgAAACQAAAASAAAAAAAAAABAAAAAAAAAAEAAABQAAAAAAAAAAAA4D8AAAAAAADgPwAAAAAAAOA/AAAAAAAA4D8AAAAAAADgPwAAAAAAAOA/AAAAAAAA4D8AAAAAAADgPwAAAAAAAOA/AAAAAAAA4D8CAAAAjAAAAAAAAAAAAAAAu+DjDP///wgAAAAAAAAAAAAAAAAAAAAAAAAAAAAAAAAAAAAAZAAAAAEAAABAAAAAAAAAAAAAAAAAAAAAAAAAAAAAAAAAAAAAAAAAAAAAAAAAAAAAAAAAAAAAAAAAAAAAAAAAAAAAAAAAAAAAAAAAAAAAAAAAAAAAAAAAAAAAAAAAAAAAFAAAADwAAAAAAAAAAAAAAAAAAAkUAAAAAQAAABQAAAAUAAAAFAAAAAEAAAAAAAAAZAAAAGQAAAAAAAAAZAAAAGQAAAAVAAAAYAAAAAAAAAAAAAAADwAAACADAAAAAAAAAAAAAAEAAACgMgAAVgcAAKr4//8BAAAAf39/AAEAAABkAAAAAAAAABQAAABAHwAAAAAAACYAAAAAAAAAwOD//wAAAAAmAAAAZAAAABYAAABMAAAAAAAAAAAAAAAEAAAAAAAAAAEAAACAgIAKAAAAACgAAAAoAAAAZAAAAGQAAAAAAAAAzMzMAAAAAABQAAAAUAAAAGQAAABkAAAAAAAAABcAAAAUAAAAAAAAAAAAAAD/fwAA/38AAAAAAAAJAAAABAAAAAAAAAAeAAAAaAAAAAAAAAAAAAAAAAAAAAAAAAAAAAAAECcAABAnAAAAAAAAAAAAAAAAAAAAAAAAAAAAAAAAAAAAAAAAAAAAABQAAAAAAAAAwMD/AAAAAABkAAAAMgAAAAAAAABkAAAAAAAAAH9/fwAKAAAAIgAAABgAAAAAAAAAAAAAAAAAAAAAAAAAAAAAAAAAAAAkAAAAJAAAAAAAAAAHAAAAAAAAAAAAAAAAAAAAAAAAAAAAAAAAAAAAf39/ACUAAABYAAAAAAAAAAAAAAAAAAAAAAAAAAAAAAAAAAAAAAAAAAAAAAAAAAAAAAAAAAAAAAA/AAAAAAAAAKCGAQAAAAAAAAAAAAAAAAAMAAAAAQAAAAAAAAAAAAAAAAAAAB8AAABUAAAAAAAABQAAAAEAAAAAAAAAAAAAAAAAAAAAAAAAAAAAAAAAAAAAAAAAAAAAAAJ/f38AAAAAA8zMzADAwP8Af39/AAAAAAAAAAAAAAAAAAAAAAAAAAAAIQAAABgAAAAUAAAAwTUAABsnAABARwAAWSkAABAAAAAmAAAACAAAAAAAAAAAAAAA"/>
+              </a:ext>
+            </a:extLst>
+          </p:cNvSpPr>
+          <p:nvPr>
+            <p:ph type="sldNum" sz="quarter" idx="12"/>
+          </p:nvPr>
+        </p:nvSpPr>
+        <p:spPr/>
+        <p:txBody>
+          <a:bodyPr/>
+          <a:lstStyle/>
+          <a:p>
+            <a:fld id="{0CA7D267-29E1-F224-AF1F-DF719C51598A}" type="slidenum">
+              <a:rPr lang="en-US" cap="none"/>
+              <a:t>11</a:t>
+            </a:fld>
+            <a:endParaRPr lang="en-US" cap="none"/>
           </a:p>
         </p:txBody>
       </p:sp>
@@ -4097,7 +4186,7 @@
 </file>
 
 <file path=ppt/slides/slide12.xml><?xml version="1.0" encoding="utf-8"?>
-<p:sld xmlns:p="http://schemas.openxmlformats.org/presentationml/2006/main" xmlns:mc="http://schemas.openxmlformats.org/markup-compatibility/2006" xmlns:p14="http://schemas.microsoft.com/office/powerpoint/2010/main" xmlns:p15="http://schemas.microsoft.com/office/powerpoint/2012/main" xmlns:r="http://schemas.openxmlformats.org/officeDocument/2006/relationships" xmlns:a="http://schemas.openxmlformats.org/drawingml/2006/main" mc:Ignorable="p14">
+<p:sld xmlns:a="http://schemas.openxmlformats.org/drawingml/2006/main" xmlns:r="http://s